--- a/images/WebFig.pptx
+++ b/images/WebFig.pptx
@@ -6,6 +6,7 @@
   </p:sldMasterIdLst>
   <p:sldIdLst>
     <p:sldId id="256" r:id="rId6"/>
+    <p:sldId id="257" r:id="rId7"/>
   </p:sldIdLst>
   <p:sldSz cx="9144000" cy="6858000"/>
   <p:notesSz cx="6858000" cy="9144000"/>
@@ -236,7 +237,7 @@
             <a:spLocks noGrp="1" noChangeArrowheads="1"/>
             <a:extLst>
               <a:ext uri="smNativeData">
-                <pr:smNativeData xmlns:pr="smNativeData" val="SMDATA_13_9MGoYxMAAAAlAAAAZAAAAA8BAAAAkAAAAEgAAACQAAAASAAAAAAAAAABAAAAAAAAAAEAAABQAAAAAAAAAAAA4D8AAAAAAADgPwAAAAAAAOA/AAAAAAAA4D8AAAAAAADgPwAAAAAAAOA/AAAAAAAA4D8AAAAAAADgPwAAAAAAAOA/AAAAAAAA4D8CAAAAjAAAAAAAAAAAAAAAu+DjDP///wgAAAAAAAAAAAAAAAAAAAAAAAAAAAAAAAAAAAAAZAAAAAEAAABAAAAAAAAAAAAAAAAAAAAAAAAAAAAAAAAAAAAAAAAAAAAAAAAAAAAAAAAAAAAAAAAAAAAAAAAAAAAAAAAAAAAAAAAAAAAAAAAAAAAAAAAAAAAAAAAAAAAAFAAAADwAAAAAAAAAAAAAAAAAAAkUAAAAAQAAABQAAAAUAAAAFAAAAAEAAAAAAAAAZAAAAGQAAAAAAAAAZAAAAGQAAAAVAAAAYAAAAAAAAAAAAAAADwAAACADAAAAAAAAAAAAAAEAAACgMgAAVgcAAKr4//8BAAAAf39/AAEAAABkAAAAAAAAABQAAABAHwAAAAAAACYAAAAAAAAAwOD//wAAAAAmAAAAZAAAABYAAABMAAAAAAAAAAAAAAAEAAAAAAAAAAEAAACAgIAKAAAAACgAAAAoAAAAZAAAAGQAAAAAAAAAzMzMAAAAAABQAAAAUAAAAGQAAABkAAAAAAAAABcAAAAUAAAAAAAAAAAAAAD/fwAA/38AAAAAAAAJAAAABAAAAAAAAAAMAAAAEAAAAAAAAAAAAAAAAAAAAAAAAAAeAAAAaAAAAAAAAAAAAAAAAAAAAAAAAAAAAAAAECcAABAnAAAAAAAAAAAAAAAAAAAAAAAAAAAAAAAAAAAAAAAAAAAAABQAAAAAAAAAwMD/AAAAAABkAAAAMgAAAAAAAABkAAAAAAAAAH9/fwAKAAAAHwAAAFQAAAAAAAAFAAAAAQAAAAAAAAAAAAAAAAAAAAAAAAAAAAAAAAAAAAAAAAAAAAAAAn9/fwAAAAADzMzMAMDA/wB/f38AAAAAAAAAAAAAAAAAAAAAAAAAAAAhAAAAGAAAABQAAAA4BAAAGg0AAAg0AAAmFgAAAAAAACYAAAAIAAAAAYAAAAAAAAA="/>
+                <pr:smNativeData xmlns:pr="smNativeData" val="SMDATA_13_5iCqYxMAAAAlAAAAZAAAAA8BAAAAkAAAAEgAAACQAAAASAAAAAAAAAABAAAAAAAAAAEAAABQAAAAAAAAAAAA4D8AAAAAAADgPwAAAAAAAOA/AAAAAAAA4D8AAAAAAADgPwAAAAAAAOA/AAAAAAAA4D8AAAAAAADgPwAAAAAAAOA/AAAAAAAA4D8CAAAAjAAAAAAAAAAAAAAAu+DjDP///wgAAAAAAAAAAAAAAAAAAAAAAAAAAAAAAAAAAAAAZAAAAAEAAABAAAAAAAAAAAAAAAAAAAAAAAAAAAAAAAAAAAAAAAAAAAAAAAAAAAAAAAAAAAAAAAAAAAAAAAAAAAAAAAAAAAAAAAAAAAAAAAAAAAAAAAAAAAAAAAAAAAAAFAAAADwAAAAAAAAAAAAAAAAAAAkUAAAAAQAAABQAAAAUAAAAFAAAAAEAAAAAAAAAZAAAAGQAAAAAAAAAZAAAAGQAAAAVAAAAYAAAAAAAAAAAAAAADwAAACADAAAAAAAAAAAAAAEAAACgMgAAVgcAAKr4//8BAAAAf39/AAEAAABkAAAAAAAAABQAAABAHwAAAAAAACYAAAAAAAAAwOD//wAAAAAmAAAAZAAAABYAAABMAAAAAAAAAAAAAAAEAAAAAAAAAAEAAACAgIAKAAAAACgAAAAoAAAAZAAAAGQAAAAAAAAAzMzMAAAAAABQAAAAUAAAAGQAAABkAAAAAAAAABcAAAAUAAAAAAAAAAAAAAD/fwAA/38AAAAAAAAJAAAABAAAAAAAAAAMAAAAEAAAAAAAAAAAAAAAAAAAAAAAAAAeAAAAaAAAAAAAAAAAAAAAAAAAAAAAAAAAAAAAECcAABAnAAAAAAAAAAAAAAAAAAAAAAAAAAAAAAAAAAAAAAAAAAAAABQAAAAAAAAAwMD/AAAAAABkAAAAMgAAAAAAAABkAAAAAAAAAH9/fwAKAAAAHwAAAFQAAAAAAAAFAAAAAQAAAAAAAAAAAAAAAAAAAAAAAAAAAAAAAAAAAAAAAAAAAAAAAn9/fwAAAAADzMzMAMDA/wB/f38AAAAAAAAAAAAAAAAAAAAAAAAAAAAhAAAAGAAAABQAAAA4BAAAGg0AAAg0AAAmFgAAEAAAACYAAAAIAAAAAQAAAAAAAAA="/>
               </a:ext>
             </a:extLst>
           </p:cNvSpPr>
@@ -268,7 +269,7 @@
             <a:spLocks noGrp="1" noChangeArrowheads="1"/>
             <a:extLst>
               <a:ext uri="smNativeData">
-                <pr:smNativeData xmlns:pr="smNativeData" val="SMDATA_13_9MGoYxMAAAAlAAAAZAAAAA8BAAAAkAAAAEgAAACQAAAASAAAAAAAAAAAAAAAAAAAAAEAAABQAAAAAAAAAAAA4D8AAAAAAADgPwAAAAAAAOA/AAAAAAAA4D8AAAAAAADgPwAAAAAAAOA/AAAAAAAA4D8AAAAAAADgPwAAAAAAAOA/AAAAAAAA4D8CAAAAjAAAAAAAAAAAAAAAu+DjDP///wgAAAAAAAAAAAAAAAAAAAAAAAAAAAAAAAAAAAAAZAAAAAEAAABAAAAAAAAAAAAAAAAAAAAAAAAAAAAAAAAAAAAAAAAAAAAAAAAAAAAAAAAAAAAAAAAAAAAAAAAAAAAAAAAAAAAAAAAAAAAAAAAAAAAAAAAAAAAAAAAAAAAAFAAAADwAAAAAAAAAAAAAAAAAAAkUAAAAAQAAABQAAAAUAAAAFAAAAAEAAAAAAAAAZAAAAGQAAAAAAAAAZAAAAGQAAAAVAAAAYAAAAAAAAAAAAAAADwAAACADAAAAAAAAAAAAAAEAAACgMgAAVgcAAKr4//8BAAAAf39/AAEAAABkAAAAAAAAABQAAABAHwAAAAAAACYAAAAAAAAAwOD//wAAAAAmAAAAZAAAABYAAABMAAAAAAAAAAAAAAAEAAAAAAAAAAEAAACAgIAKAAAAACgAAAAoAAAAZAAAAGQAAAAAAAAAzMzMAAAAAABQAAAAUAAAAGQAAABkAAAAAAAAABcAAAAUAAAAAAAAAAAAAAD/fwAA/38AAAAAAAAJAAAABAAAAAAAAAAMAAAAEAAAAAAAAAAAAAAAAAAAAAAAAAAeAAAAaAAAAAAAAAAAAAAAAAAAAAAAAAAAAAAAECcAABAnAAAAAAAAAAAAAAAAAAAAAAAAAAAAAAAAAAAAAAAAAAAAABQAAAAAAAAAwMD/AAAAAABkAAAAMgAAAAAAAABkAAAAAAAAAH9/fwAKAAAAHwAAAFQAAAAAAAAFAAAAAQAAAAAAAAAAAAAAAAAAAAAAAAAAAAAAAAAAAAAAAAAAAAAAAn9/fwAAAAADzMzMAMDA/wB/f38AAAAAAAAAAAAAAAAAAAAAAAAAAAAhAAAAGAAAABQAAABwCAAA6BcAANAvAACwIgAAAAAAACYAAAAIAAAAAYAAAAAAAAA="/>
+                <pr:smNativeData xmlns:pr="smNativeData" val="SMDATA_13_5iCqYxMAAAAlAAAAZAAAAA8BAAAAkAAAAEgAAACQAAAASAAAAAAAAAAAAAAAAAAAAAEAAABQAAAAAAAAAAAA4D8AAAAAAADgPwAAAAAAAOA/AAAAAAAA4D8AAAAAAADgPwAAAAAAAOA/AAAAAAAA4D8AAAAAAADgPwAAAAAAAOA/AAAAAAAA4D8CAAAAjAAAAAAAAAAAAAAAu+DjDP///wgAAAAAAAAAAAAAAAAAAAAAAAAAAAAAAAAAAAAAZAAAAAEAAABAAAAAAAAAAAAAAAAAAAAAAAAAAAAAAAAAAAAAAAAAAAAAAAAAAAAAAAAAAAAAAAAAAAAAAAAAAAAAAAAAAAAAAAAAAAAAAAAAAAAAAAAAAAAAAAAAAAAAFAAAADwAAAAAAAAAAAAAAAAAAAkUAAAAAQAAABQAAAAUAAAAFAAAAAEAAAAAAAAAZAAAAGQAAAAAAAAAZAAAAGQAAAAVAAAAYAAAAAAAAAAAAAAADwAAACADAAAAAAAAAAAAAAEAAACgMgAAVgcAAKr4//8BAAAAf39/AAEAAABkAAAAAAAAABQAAABAHwAAAAAAACYAAAAAAAAAwOD//wAAAAAmAAAAZAAAABYAAABMAAAAAAAAAAAAAAAEAAAAAAAAAAEAAACAgIAKAAAAACgAAAAoAAAAZAAAAGQAAAAAAAAAzMzMAAAAAABQAAAAUAAAAGQAAABkAAAAAAAAABcAAAAUAAAAAAAAAAAAAAD/fwAA/38AAAAAAAAJAAAABAAAAAAAAAAMAAAAEAAAAAAAAAAAAAAAAAAAAAAAAAAeAAAAaAAAAAAAAAAAAAAAAAAAAAAAAAAAAAAAECcAABAnAAAAAAAAAAAAAAAAAAAAAAAAAAAAAAAAAAAAAAAAAAAAABQAAAAAAAAAwMD/AAAAAABkAAAAMgAAAAAAAABkAAAAAAAAAH9/fwAKAAAAHwAAAFQAAAAAAAAFAAAAAQAAAAAAAAAAAAAAAAAAAAAAAAAAAAAAAAAAAAAAAAAAAAAAAn9/fwAAAAADzMzMAMDA/wB/f38AAAAAAAAAAAAAAAAAAAAAAAAAAAAhAAAAGAAAABQAAABwCAAA6BcAANAvAACwIgAAEAAAACYAAAAIAAAAAYAAAAAAAAA="/>
               </a:ext>
             </a:extLst>
           </p:cNvSpPr>
@@ -328,7 +329,7 @@
             <a:spLocks noGrp="1" noChangeArrowheads="1"/>
             <a:extLst>
               <a:ext uri="smNativeData">
-                <pr:smNativeData xmlns:pr="smNativeData" val="SMDATA_13_9MGoYxMAAAAlAAAAZAAAAA8BAAAAkAAAAEgAAACQAAAASAAAAAAAAAABAAAAAAAAAAEAAABQAAAAAAAAAAAA4D8AAAAAAADgPwAAAAAAAOA/AAAAAAAA4D8AAAAAAADgPwAAAAAAAOA/AAAAAAAA4D8AAAAAAADgPwAAAAAAAOA/AAAAAAAA4D8CAAAAjAAAAAAAAAAAAAAAu+DjDP///wgAAAAAAAAAAAAAAAAAAAAAAAAAAAAAAAAAAAAAZAAAAAEAAABAAAAAAAAAAAAAAAAAAAAAAAAAAAAAAAAAAAAAAAAAAAAAAAAAAAAAAAAAAAAAAAAAAAAAAAAAAAAAAAAAAAAAAAAAAAAAAAAAAAAAAAAAAAAAAAAAAAAAFAAAADwAAAAAAAAAAAAAAAAAAAkUAAAAAQAAABQAAAAUAAAAFAAAAAEAAAAAAAAAZAAAAGQAAAAAAAAAZAAAAGQAAAAVAAAAYAAAAAAAAAAAAAAADwAAACADAAAAAAAAAAAAAAEAAACgMgAAVgcAAKr4//8BAAAAf39/AAEAAABkAAAAAAAAABQAAABAHwAAAAAAACYAAAAAAAAAwOD//wAAAAAmAAAAZAAAABYAAABMAAAAAAAAAAAAAAAEAAAAAAAAAAEAAACAgIAKAAAAACgAAAAoAAAAZAAAAGQAAAAAAAAAzMzMAAAAAABQAAAAUAAAAGQAAABkAAAAAAAAABcAAAAUAAAAAAAAAAAAAAD/fwAA/38AAAAAAAAJAAAABAAAAAAAAAAMAAAAEAAAAAAAAAAAAAAAAAAAAAAAAAAeAAAAaAAAAAAAAAAAAAAAAAAAAAAAAAAAAAAAECcAABAnAAAAAAAAAAAAAAAAAAAAAAAAAAAAAAAAAAAAAAAAAAAAABQAAAAAAAAAwMD/AAAAAABkAAAAMgAAAAAAAABkAAAAAAAAAH9/fwAKAAAAHwAAAFQAAAAAAAAFAAAAAQAAAAAAAAAAAAAAAAAAAAAAAAAAAAAAAAAAAAAAAAAAAAAAAn9/fwAAAAADzMzMAMDA/wB/f38AAAAAAAAAAAAAAAAAAAAAAAAAAAAhAAAAGAAAABQAAADQAgAAGycAAPAPAABZKQAAAAAAACYAAAAIAAAAAAAAAAAAAAA="/>
+                <pr:smNativeData xmlns:pr="smNativeData" val="SMDATA_13_5iCqYxMAAAAlAAAAZAAAAA8BAAAAkAAAAEgAAACQAAAASAAAAAAAAAABAAAAAAAAAAEAAABQAAAAAAAAAAAA4D8AAAAAAADgPwAAAAAAAOA/AAAAAAAA4D8AAAAAAADgPwAAAAAAAOA/AAAAAAAA4D8AAAAAAADgPwAAAAAAAOA/AAAAAAAA4D8CAAAAjAAAAAAAAAAAAAAAu+DjDP///wgAAAAAAAAAAAAAAAAAAAAAAAAAAAAAAAAAAAAAZAAAAAEAAABAAAAAAAAAAAAAAAAAAAAAAAAAAAAAAAAAAAAAAAAAAAAAAAAAAAAAAAAAAAAAAAAAAAAAAAAAAAAAAAAAAAAAAAAAAAAAAAAAAAAAAAAAAAAAAAAAAAAAFAAAADwAAAAAAAAAAAAAAAAAAAkUAAAAAQAAABQAAAAUAAAAFAAAAAEAAAAAAAAAZAAAAGQAAAAAAAAAZAAAAGQAAAAVAAAAYAAAAAAAAAAAAAAADwAAACADAAAAAAAAAAAAAAEAAACgMgAAVgcAAKr4//8BAAAAf39/AAEAAABkAAAAAAAAABQAAABAHwAAAAAAACYAAAAAAAAAwOD//wAAAAAmAAAAZAAAABYAAABMAAAAAAAAAAAAAAAEAAAAAAAAAAEAAACAgIAKAAAAACgAAAAoAAAAZAAAAGQAAAAAAAAAzMzMAAAAAABQAAAAUAAAAGQAAABkAAAAAAAAABcAAAAUAAAAAAAAAAAAAAD/fwAA/38AAAAAAAAJAAAABAAAAAAAAAAMAAAAEAAAAAAAAAAAAAAAAAAAAAAAAAAeAAAAaAAAAAAAAAAAAAAAAAAAAAAAAAAAAAAAECcAABAnAAAAAAAAAAAAAAAAAAAAAAAAAAAAAAAAAAAAAAAAAAAAABQAAAAAAAAAwMD/AAAAAABkAAAAMgAAAAAAAABkAAAAAAAAAH9/fwAKAAAAHwAAAFQAAAAAAAAFAAAAAQAAAAAAAAAAAAAAAAAAAAAAAAAAAAAAAAAAAAAAAAAAAAAAAn9/fwAAAAADzMzMAMDA/wB/f38AAAAAAAAAAAAAAAAAAAAAAAAAAAAhAAAAGAAAABQAAADQAgAAGycAAPAPAABZKQAAEAAAACYAAAAIAAAAAAAAAAAAAAA="/>
               </a:ext>
             </a:extLst>
           </p:cNvSpPr>
@@ -342,7 +343,7 @@
           <a:lstStyle/>
           <a:p>
             <a:pPr/>
-            <a:fld id="{2BE4284B-05C6-B1DE-885C-F38B66127EA6}" type="datetime1">
+            <a:fld id="{2683A6B2-FCCB-D650-853B-0A05E875735F}" type="datetime1">
               <a:t/>
             </a:fld>
           </a:p>
@@ -355,7 +356,7 @@
             <a:spLocks noGrp="1" noChangeArrowheads="1"/>
             <a:extLst>
               <a:ext uri="smNativeData">
-                <pr:smNativeData xmlns:pr="smNativeData" val="SMDATA_13_9MGoYxMAAAAlAAAAZAAAAA8BAAAAkAAAAEgAAACQAAAASAAAAAAAAAABAAAAAAAAAAEAAABQAAAAAAAAAAAA4D8AAAAAAADgPwAAAAAAAOA/AAAAAAAA4D8AAAAAAADgPwAAAAAAAOA/AAAAAAAA4D8AAAAAAADgPwAAAAAAAOA/AAAAAAAA4D8CAAAAjAAAAAAAAAAAAAAAu+DjDP///wgAAAAAAAAAAAAAAAAAAAAAAAAAAAAAAAAAAAAAZAAAAAEAAABAAAAAAAAAAAAAAAAAAAAAAAAAAAAAAAAAAAAAAAAAAAAAAAAAAAAAAAAAAAAAAAAAAAAAAAAAAAAAAAAAAAAAAAAAAAAAAAAAAAAAAAAAAAAAAAAAAAAAFAAAADwAAAAAAAAAAAAAAAAAAAkUAAAAAQAAABQAAAAUAAAAFAAAAAEAAAAAAAAAZAAAAGQAAAAAAAAAZAAAAGQAAAAVAAAAYAAAAAAAAAAAAAAADwAAACADAAAAAAAAAAAAAAEAAACgMgAAVgcAAKr4//8BAAAAf39/AAEAAABkAAAAAAAAABQAAABAHwAAAAAAACYAAAAAAAAAwOD//wAAAAAmAAAAZAAAABYAAABMAAAAAAAAAAAAAAAEAAAAAAAAAAEAAACAgIAKAAAAACgAAAAoAAAAZAAAAGQAAAAAAAAAzMzMAAAAAABQAAAAUAAAAGQAAABkAAAAAAAAABcAAAAUAAAAAAAAAAAAAAD/fwAA/38AAAAAAAAJAAAABAAAAElJSf8MAAAAEAAAAAAAAAAAAAAAAAAAAAAAAAAeAAAAaAAAAAAAAAAAAAAAAAAAAAAAAAAAAAAAECcAABAnAAAAAAAAAAAAAAAAAAAAAAAAAAAAAAAAAAAAAAAAAAAAABQAAAAAAAAAwMD/AAAAAABkAAAAMgAAAAAAAABkAAAAAAAAAH9/fwAKAAAAHwAAAFQAAAAAAAAFAAAAAQAAAAAAAAAAAAAAAAAAAAAAAAAAAAAAAAAAAAAAAAAAAAAAAn9/fwAAAAADzMzMAMDA/wB/f38AAAAAAAAAAAAAAAAAAAAAAAAAAAAhAAAAGAAAABQAAAA4EwAAGycAAAglAABZKQAAAAAAACYAAAAIAAAAAAAAAAAAAAA="/>
+                <pr:smNativeData xmlns:pr="smNativeData" val="SMDATA_13_5iCqYxMAAAAlAAAAZAAAAA8BAAAAkAAAAEgAAACQAAAASAAAAAAAAAABAAAAAAAAAAEAAABQAAAAAAAAAAAA4D8AAAAAAADgPwAAAAAAAOA/AAAAAAAA4D8AAAAAAADgPwAAAAAAAOA/AAAAAAAA4D8AAAAAAADgPwAAAAAAAOA/AAAAAAAA4D8CAAAAjAAAAAAAAAAAAAAAu+DjDP///wgAAAAAAAAAAAAAAAAAAAAAAAAAAAAAAAAAAAAAZAAAAAEAAABAAAAAAAAAAAAAAAAAAAAAAAAAAAAAAAAAAAAAAAAAAAAAAAAAAAAAAAAAAAAAAAAAAAAAAAAAAAAAAAAAAAAAAAAAAAAAAAAAAAAAAAAAAAAAAAAAAAAAFAAAADwAAAAAAAAAAAAAAAAAAAkUAAAAAQAAABQAAAAUAAAAFAAAAAEAAAAAAAAAZAAAAGQAAAAAAAAAZAAAAGQAAAAVAAAAYAAAAAAAAAAAAAAADwAAACADAAAAAAAAAAAAAAEAAACgMgAAVgcAAKr4//8BAAAAf39/AAEAAABkAAAAAAAAABQAAABAHwAAAAAAACYAAAAAAAAAwOD//wAAAAAmAAAAZAAAABYAAABMAAAAAAAAAAAAAAAEAAAAAAAAAAEAAACAgIAKAAAAACgAAAAoAAAAZAAAAGQAAAAAAAAAzMzMAAAAAABQAAAAUAAAAGQAAABkAAAAAAAAABcAAAAUAAAAAAAAAAAAAAD/fwAA/38AAAAAAAAJAAAABAAAAElJSf8MAAAAEAAAAAAAAAAAAAAAAAAAAAAAAAAeAAAAaAAAAAAAAAAAAAAAAAAAAAAAAAAAAAAAECcAABAnAAAAAAAAAAAAAAAAAAAAAAAAAAAAAAAAAAAAAAAAAAAAABQAAAAAAAAAwMD/AAAAAABkAAAAMgAAAAAAAABkAAAAAAAAAH9/fwAKAAAAHwAAAFQAAAAAAAAFAAAAAQAAAAAAAAAAAAAAAAAAAAAAAAAAAAAAAAAAAAAAAAAAAAAAAn9/fwAAAAADzMzMAMDA/wB/f38AAAAAAAAAAAAAAAAAAAAAAAAAAAAhAAAAGAAAABQAAAA4EwAAGycAAAglAABZKQAAEAAAACYAAAAIAAAAAAAAAAAAAAA="/>
               </a:ext>
             </a:extLst>
           </p:cNvSpPr>
@@ -369,9 +370,6 @@
           <a:lstStyle/>
           <a:p>
             <a:pPr/>
-            <a:r>
-              <a:t/>
-            </a:r>
           </a:p>
         </p:txBody>
       </p:sp>
@@ -382,7 +380,7 @@
             <a:spLocks noGrp="1" noChangeArrowheads="1"/>
             <a:extLst>
               <a:ext uri="smNativeData">
-                <pr:smNativeData xmlns:pr="smNativeData" val="SMDATA_13_9MGoYxMAAAAlAAAAZAAAAA8BAAAAkAAAAEgAAACQAAAASAAAAAAAAAABAAAAAAAAAAEAAABQAAAAAAAAAAAA4D8AAAAAAADgPwAAAAAAAOA/AAAAAAAA4D8AAAAAAADgPwAAAAAAAOA/AAAAAAAA4D8AAAAAAADgPwAAAAAAAOA/AAAAAAAA4D8CAAAAjAAAAAAAAAAAAAAAu+DjDP///wgAAAAAAAAAAAAAAAAAAAAAAAAAAAAAAAAAAAAAZAAAAAEAAABAAAAAAAAAAAAAAAAAAAAAAAAAAAAAAAAAAAAAAAAAAAAAAAAAAAAAAAAAAAAAAAAAAAAAAAAAAAAAAAAAAAAAAAAAAAAAAAAAAAAAAAAAAAAAAAAAAAAAFAAAADwAAAAAAAAAAAAAAAAAAAkUAAAAAQAAABQAAAAUAAAAFAAAAAEAAAAAAAAAZAAAAGQAAAAAAAAAZAAAAGQAAAAVAAAAYAAAAAAAAAAAAAAADwAAACADAAAAAAAAAAAAAAEAAACgMgAAVgcAAKr4//8BAAAAf39/AAEAAABkAAAAAAAAABQAAABAHwAAAAAAACYAAAAAAAAAwOD//wAAAAAmAAAAZAAAABYAAABMAAAAAAAAAAAAAAAEAAAAAAAAAAEAAACAgIAKAAAAACgAAAAoAAAAZAAAAGQAAAAAAAAAzMzMAAAAAABQAAAAUAAAAGQAAABkAAAAAAAAABcAAAAUAAAAAAAAAAAAAAD/fwAA/38AAAAAAAAJAAAABAAAAAAAAAAMAAAAEAAAAAAAAAAAAAAAAAAAAAAAAAAeAAAAaAAAAAAAAAAAAAAAAAAAAAAAAAAAAAAAECcAABAnAAAAAAAAAAAAAAAAAAAAAAAAAAAAAAAAAAAAAAAAAAAAABQAAAAAAAAAwMD/AAAAAABkAAAAMgAAAAAAAABkAAAAAAAAAH9/fwAKAAAAHwAAAFQAAAAAAAAFAAAAAQAAAAAAAAAAAAAAAAAAAAAAAAAAAAAAAAAAAAAAAAAAAAAAAn9/fwAAAAADzMzMAMDA/wB/f38AAAAAAAAAAAAAAAAAAAAAAAAAAAAhAAAAGAAAABQAAABQKAAAGycAAHA1AABZKQAAAAAAACYAAAAIAAAAAAAAAAAAAAA="/>
+                <pr:smNativeData xmlns:pr="smNativeData" val="SMDATA_13_5iCqYxMAAAAlAAAAZAAAAA8BAAAAkAAAAEgAAACQAAAASAAAAAAAAAABAAAAAAAAAAEAAABQAAAAAAAAAAAA4D8AAAAAAADgPwAAAAAAAOA/AAAAAAAA4D8AAAAAAADgPwAAAAAAAOA/AAAAAAAA4D8AAAAAAADgPwAAAAAAAOA/AAAAAAAA4D8CAAAAjAAAAAAAAAAAAAAAu+DjDP///wgAAAAAAAAAAAAAAAAAAAAAAAAAAAAAAAAAAAAAZAAAAAEAAABAAAAAAAAAAAAAAAAAAAAAAAAAAAAAAAAAAAAAAAAAAAAAAAAAAAAAAAAAAAAAAAAAAAAAAAAAAAAAAAAAAAAAAAAAAAAAAAAAAAAAAAAAAAAAAAAAAAAAFAAAADwAAAAAAAAAAAAAAAAAAAkUAAAAAQAAABQAAAAUAAAAFAAAAAEAAAAAAAAAZAAAAGQAAAAAAAAAZAAAAGQAAAAVAAAAYAAAAAAAAAAAAAAADwAAACADAAAAAAAAAAAAAAEAAACgMgAAVgcAAKr4//8BAAAAf39/AAEAAABkAAAAAAAAABQAAABAHwAAAAAAACYAAAAAAAAAwOD//wAAAAAmAAAAZAAAABYAAABMAAAAAAAAAAAAAAAEAAAAAAAAAAEAAACAgIAKAAAAACgAAAAoAAAAZAAAAGQAAAAAAAAAzMzMAAAAAABQAAAAUAAAAGQAAABkAAAAAAAAABcAAAAUAAAAAAAAAAAAAAD/fwAA/38AAAAAAAAJAAAABAAAAAAAAAAMAAAAEAAAAAAAAAAAAAAAAAAAAAAAAAAeAAAAaAAAAAAAAAAAAAAAAAAAAAAAAAAAAAAAECcAABAnAAAAAAAAAAAAAAAAAAAAAAAAAAAAAAAAAAAAAAAAAAAAABQAAAAAAAAAwMD/AAAAAABkAAAAMgAAAAAAAABkAAAAAAAAAH9/fwAKAAAAHwAAAFQAAAAAAAAFAAAAAQAAAAAAAAAAAAAAAAAAAAAAAAAAAAAAAAAAAAAAAAAAAAAAAn9/fwAAAAADzMzMAMDA/wB/f38AAAAAAAAAAAAAAAAAAAAAAAAAAAAhAAAAGAAAABQAAABQKAAAGycAAHA1AABZKQAAEAAAACYAAAAIAAAAAAAAAAAAAAA="/>
               </a:ext>
             </a:extLst>
           </p:cNvSpPr>
@@ -396,7 +394,7 @@
           <a:lstStyle/>
           <a:p>
             <a:pPr/>
-            <a:fld id="{2BE461B1-FFC6-B197-885C-09C22F127E5C}" type="slidenum">
+            <a:fld id="{2683CA62-2CCB-D63C-853B-DA698475738F}" type="slidenum">
               <a:t/>
             </a:fld>
           </a:p>
@@ -434,7 +432,7 @@
             <a:spLocks noGrp="1" noChangeArrowheads="1"/>
             <a:extLst>
               <a:ext uri="smNativeData">
-                <pr:smNativeData xmlns:pr="smNativeData" val="SMDATA_13_9MGoYxMAAAAlAAAAZAAAAA8BAAAAkAAAAEgAAACQAAAASAAAAAAAAAABAAAAAAAAAAEAAABQAAAAAAAAAAAA4D8AAAAAAADgPwAAAAAAAOA/AAAAAAAA4D8AAAAAAADgPwAAAAAAAOA/AAAAAAAA4D8AAAAAAADgPwAAAAAAAOA/AAAAAAAA4D8CAAAAjAAAAAAAAAAAAAAAu+DjDP///wgAAAAAAAAAAAAAAAAAAAAAAAAAAAAAAAAAAAAAZAAAAAEAAABAAAAAAAAAAAAAAAAAAAAAAAAAAAAAAAAAAAAAAAAAAAAAAAAAAAAAAAAAAAAAAAAAAAAAAAAAAAAAAAAAAAAAAAAAAAAAAAAAAAAAAAAAAAAAAAAAAAAAFAAAADwAAAAAAAAAAAAAAAAAAAkUAAAAAQAAABQAAAAUAAAAFAAAAAEAAAAAAAAAZAAAAGQAAAAAAAAAZAAAAGQAAAAVAAAAYAAAAAAAAAAAAAAADwAAACADAAAAAAAAAAAAAAEAAACgMgAAVgcAAKr4//8BAAAAf39/AAEAAABkAAAAAAAAABQAAABAHwAAAAAAACYAAAAAAAAAwOD//wAAAAAmAAAAZAAAABYAAABMAAAAAAAAAAAAAAAEAAAAAAAAAAEAAACAgIAKAAAAACgAAAAoAAAAZAAAAGQAAAAAAAAAzMzMAAAAAABQAAAAUAAAAGQAAABkAAAAAAAAABcAAAAUAAAAAAAAAAAAAAD/fwAA/38AAAAAAAAJAAAABAAAAAAAAAAMAAAAEAAAAAAAAAAAAAAAAAAAAAAAAAAeAAAAaAAAAAAAAAAAAAAAAAAAAAAAAAAAAAAAECcAABAnAAAAAAAAAAAAAAAAAAAAAAAAAAAAAAAAAAAAAAAAAAAAABQAAAAAAAAAwMD/AAAAAABkAAAAMgAAAAAAAABkAAAAAAAAAH9/fwAKAAAAHwAAAFQAAAAAAAAFAAAAAQAAAAAAAAAAAAAAAAAAAAAAAAAAAAAAAAAAAAAAAAAAAAAAAn9/fwAAAAADzMzMAMDA/wB/f38AAAAAAAAAAAAAAAAAAAAAAAAAAAAhAAAAGAAAABQAAADQAgAAsAEAAHA1AAC4CAAAAAAAACYAAAAIAAAAAAAAAAAAAAA="/>
+                <pr:smNativeData xmlns:pr="smNativeData" val="SMDATA_13_5iCqYxMAAAAlAAAAZAAAAA8BAAAAkAAAAEgAAACQAAAASAAAAAAAAAABAAAAAAAAAAEAAABQAAAAAAAAAAAA4D8AAAAAAADgPwAAAAAAAOA/AAAAAAAA4D8AAAAAAADgPwAAAAAAAOA/AAAAAAAA4D8AAAAAAADgPwAAAAAAAOA/AAAAAAAA4D8CAAAAjAAAAAAAAAAAAAAAu+DjDP///wgAAAAAAAAAAAAAAAAAAAAAAAAAAAAAAAAAAAAAZAAAAAEAAABAAAAAAAAAAAAAAAAAAAAAAAAAAAAAAAAAAAAAAAAAAAAAAAAAAAAAAAAAAAAAAAAAAAAAAAAAAAAAAAAAAAAAAAAAAAAAAAAAAAAAAAAAAAAAAAAAAAAAFAAAADwAAAAAAAAAAAAAAAAAAAkUAAAAAQAAABQAAAAUAAAAFAAAAAEAAAAAAAAAZAAAAGQAAAAAAAAAZAAAAGQAAAAVAAAAYAAAAAAAAAAAAAAADwAAACADAAAAAAAAAAAAAAEAAACgMgAAVgcAAKr4//8BAAAAf39/AAEAAABkAAAAAAAAABQAAABAHwAAAAAAACYAAAAAAAAAwOD//wAAAAAmAAAAZAAAABYAAABMAAAAAAAAAAAAAAAEAAAAAAAAAAEAAACAgIAKAAAAACgAAAAoAAAAZAAAAGQAAAAAAAAAzMzMAAAAAABQAAAAUAAAAGQAAABkAAAAAAAAABcAAAAUAAAAAAAAAAAAAAD/fwAA/38AAAAAAAAJAAAABAAAAAAAAAAMAAAAEAAAAAAAAAAAAAAAAAAAAAAAAAAeAAAAaAAAAAAAAAAAAAAAAAAAAAAAAAAAAAAAECcAABAnAAAAAAAAAAAAAAAAAAAAAAAAAAAAAAAAAAAAAAAAAAAAABQAAAAAAAAAwMD/AAAAAABkAAAAMgAAAAAAAABkAAAAAAAAAH9/fwAKAAAAHwAAAFQAAAAAAAAFAAAAAQAAAAAAAAAAAAAAAAAAAAAAAAAAAAAAAAAAAAAAAAAAAAAAAn9/fwAAAAADzMzMAMDA/wB/f38AAAAAAAAAAAAAAAAAAAAAAAAAAAAhAAAAGAAAABQAAADQAgAAsAEAAHA1AAC4CAAAEAAAACYAAAAIAAAAAAAAAAAAAAA="/>
               </a:ext>
             </a:extLst>
           </p:cNvSpPr>
@@ -461,7 +459,7 @@
             <a:spLocks noGrp="1" noChangeArrowheads="1"/>
             <a:extLst>
               <a:ext uri="smNativeData">
-                <pr:smNativeData xmlns:pr="smNativeData" val="SMDATA_13_9MGoYxMAAAAlAAAAZAAAAA8BAAAAkAAAAEgAAACQAAAASAAAAAAAAAAAAAAAAQAAAAEAAABQAAAAAAAAAAAA4D8AAAAAAADgPwAAAAAAAOA/AAAAAAAA4D8AAAAAAADgPwAAAAAAAOA/AAAAAAAA4D8AAAAAAADgPwAAAAAAAOA/AAAAAAAA4D8CAAAAjAAAAAAAAAAAAAAAu+DjDP///wgAAAAAAAAAAAAAAAAAAAAAAAAAAAAAAAAAAAAAZAAAAAEAAABAAAAAAAAAAAAAAAAAAAAAAAAAAAAAAAAAAAAAAAAAAAAAAAAAAAAAAAAAAAAAAAAAAAAAAAAAAAAAAAAAAAAAAAAAAAAAAAAAAAAAAAAAAAAAAAAAAAAAFAAAADwAAAAAAAAAAAAAAAAAAAkUAAAAAQAAABQAAAAUAAAAFAAAAAEAAAAAAAAAZAAAAGQAAAAAAAAAZAAAAGQAAAAVAAAAYAAAAAAAAAAAAAAADwAAACADAAAAAAAAAAAAAAEAAACgMgAAVgcAAKr4//8BAAAAf39/AAEAAABkAAAAAAAAABQAAABAHwAAAAAAACYAAAAAAAAAwOD//wAAAAAmAAAAZAAAABYAAABMAAAAAAAAAAAAAAAEAAAAAAAAAAEAAACAgIAKAAAAACgAAAAoAAAAZAAAAGQAAAAAAAAAzMzMAAAAAABQAAAAUAAAAGQAAABkAAAAAAAAABcAAAAUAAAAAAAAAAAAAAD/fwAA/38AAAAAAAAJAAAABAAAAAAAAAAMAAAAEAAAAAAAAAAAAAAAAAAAAAAAAAAeAAAAaAAAAAAAAAAAAAAAAAAAAAAAAAAAAAAAECcAABAnAAAAAAAAAAAAAAAAAAAAAAAAAAAAAAAAAAAAAAAAAAAAABQAAAAAAAAAwMD/AAAAAABkAAAAMgAAAAAAAABkAAAAAAAAAH9/fwAKAAAAHwAAAFQAAAAAAAAFAAAAAQAAAAAAAAAAAAAAAAAAAAAAAAAAAAAAAAAAAAAAAAAAAAAAAn9/fwAAAAADzMzMAMDA/wB/f38AAAAAAAAAAAAAAAAAAAAAAAAAAAAhAAAAGAAAABQAAADQAgAA2AkAAHA1AACwJQAAAAAAACYAAAAIAAAAAgAAAAAAAAA="/>
+                <pr:smNativeData xmlns:pr="smNativeData" val="SMDATA_13_5iCqYxMAAAAlAAAAZAAAAA8BAAAAkAAAAEgAAACQAAAASAAAAAAAAAAAAAAAAQAAAAEAAABQAAAAAAAAAAAA4D8AAAAAAADgPwAAAAAAAOA/AAAAAAAA4D8AAAAAAADgPwAAAAAAAOA/AAAAAAAA4D8AAAAAAADgPwAAAAAAAOA/AAAAAAAA4D8CAAAAjAAAAAAAAAAAAAAAu+DjDP///wgAAAAAAAAAAAAAAAAAAAAAAAAAAAAAAAAAAAAAZAAAAAEAAABAAAAAAAAAAAAAAAAAAAAAAAAAAAAAAAAAAAAAAAAAAAAAAAAAAAAAAAAAAAAAAAAAAAAAAAAAAAAAAAAAAAAAAAAAAAAAAAAAAAAAAAAAAAAAAAAAAAAAFAAAADwAAAAAAAAAAAAAAAAAAAkUAAAAAQAAABQAAAAUAAAAFAAAAAEAAAAAAAAAZAAAAGQAAAAAAAAAZAAAAGQAAAAVAAAAYAAAAAAAAAAAAAAADwAAACADAAAAAAAAAAAAAAEAAACgMgAAVgcAAKr4//8BAAAAf39/AAEAAABkAAAAAAAAABQAAABAHwAAAAAAACYAAAAAAAAAwOD//wAAAAAmAAAAZAAAABYAAABMAAAAAAAAAAAAAAAEAAAAAAAAAAEAAACAgIAKAAAAACgAAAAoAAAAZAAAAGQAAAAAAAAAzMzMAAAAAABQAAAAUAAAAGQAAABkAAAAAAAAABcAAAAUAAAAAAAAAAAAAAD/fwAA/38AAAAAAAAJAAAABAAAAAAAAAAMAAAAEAAAAAAAAAAAAAAAAAAAAAAAAAAeAAAAaAAAAAAAAAAAAAAAAAAAAAAAAAAAAAAAECcAABAnAAAAAAAAAAAAAAAAAAAAAAAAAAAAAAAAAAAAAAAAAAAAABQAAAAAAAAAwMD/AAAAAABkAAAAMgAAAAAAAABkAAAAAAAAAH9/fwAKAAAAHwAAAFQAAAAAAAAFAAAAAQAAAAAAAAAAAAAAAAAAAAAAAAAAAAAAAAAAAAAAAAAAAAAAAn9/fwAAAAADzMzMAMDA/wB/f38AAAAAAAAAAAAAAAAAAAAAAAAAAAAhAAAAGAAAABQAAADQAgAA2AkAAHA1AACwJQAAEAAAACYAAAAIAAAAAgAAAAAAAAA="/>
               </a:ext>
             </a:extLst>
           </p:cNvSpPr>
@@ -516,7 +514,7 @@
             <a:spLocks noGrp="1" noChangeArrowheads="1"/>
             <a:extLst>
               <a:ext uri="smNativeData">
-                <pr:smNativeData xmlns:pr="smNativeData" val="SMDATA_13_9MGoYxMAAAAlAAAAZAAAAA8BAAAAkAAAAEgAAACQAAAASAAAAAAAAAABAAAAAAAAAAEAAABQAAAAAAAAAAAA4D8AAAAAAADgPwAAAAAAAOA/AAAAAAAA4D8AAAAAAADgPwAAAAAAAOA/AAAAAAAA4D8AAAAAAADgPwAAAAAAAOA/AAAAAAAA4D8CAAAAjAAAAAAAAAAAAAAAu+DjDP///wgAAAAAAAAAAAAAAAAAAAAAAAAAAAAAAAAAAAAAZAAAAAEAAABAAAAAAAAAAAAAAAAAAAAAAAAAAAAAAAAAAAAAAAAAAAAAAAAAAAAAAAAAAAAAAAAAAAAAAAAAAAAAAAAAAAAAAAAAAAAAAAAAAAAAAAAAAAAAAAAAAAAAFAAAADwAAAAAAAAAAAAAAAAAAAkUAAAAAQAAABQAAAAUAAAAFAAAAAEAAAAAAAAAZAAAAGQAAAAAAAAAZAAAAGQAAAAVAAAAYAAAAAAAAAAAAAAADwAAACADAAAAAAAAAAAAAAEAAACgMgAAVgcAAKr4//8BAAAAf39/AAEAAABkAAAAAAAAABQAAABAHwAAAAAAACYAAAAAAAAAwOD//wAAAAAmAAAAZAAAABYAAABMAAAAAAAAAAAAAAAEAAAAAAAAAAEAAACAgIAKAAAAACgAAAAoAAAAZAAAAGQAAAAAAAAAzMzMAAAAAABQAAAAUAAAAGQAAABkAAAAAAAAABcAAAAUAAAAAAAAAAAAAAD/fwAA/38AAAAAAAAJAAAABAAAAAAAAAAMAAAAEAAAAAAAAAAAAAAAAAAAAAAAAAAeAAAAaAAAAAAAAAAAAAAAAAAAAAAAAAAAAAAAECcAABAnAAAAAAAAAAAAAAAAAAAAAAAAAAAAAAAAAAAAAAAAAAAAABQAAAAAAAAAwMD/AAAAAABkAAAAMgAAAAAAAABkAAAAAAAAAH9/fwAKAAAAHwAAAFQAAAAAAAAFAAAAAQAAAAAAAAAAAAAAAAAAAAAAAAAAAAAAAAAAAAAAAAAAAAAAAn9/fwAAAAADzMzMAMDA/wB/f38AAAAAAAAAAAAAAAAAAAAAAAAAAAAhAAAAGAAAABQAAADQAgAAGycAAPAPAABZKQAAAAAAACYAAAAIAAAAAAAAAAAAAAA="/>
+                <pr:smNativeData xmlns:pr="smNativeData" val="SMDATA_13_5iCqYxMAAAAlAAAAZAAAAA8BAAAAkAAAAEgAAACQAAAASAAAAAAAAAABAAAAAAAAAAEAAABQAAAAAAAAAAAA4D8AAAAAAADgPwAAAAAAAOA/AAAAAAAA4D8AAAAAAADgPwAAAAAAAOA/AAAAAAAA4D8AAAAAAADgPwAAAAAAAOA/AAAAAAAA4D8CAAAAjAAAAAAAAAAAAAAAu+DjDP///wgAAAAAAAAAAAAAAAAAAAAAAAAAAAAAAAAAAAAAZAAAAAEAAABAAAAAAAAAAAAAAAAAAAAAAAAAAAAAAAAAAAAAAAAAAAAAAAAAAAAAAAAAAAAAAAAAAAAAAAAAAAAAAAAAAAAAAAAAAAAAAAAAAAAAAAAAAAAAAAAAAAAAFAAAADwAAAAAAAAAAAAAAAAAAAkUAAAAAQAAABQAAAAUAAAAFAAAAAEAAAAAAAAAZAAAAGQAAAAAAAAAZAAAAGQAAAAVAAAAYAAAAAAAAAAAAAAADwAAACADAAAAAAAAAAAAAAEAAACgMgAAVgcAAKr4//8BAAAAf39/AAEAAABkAAAAAAAAABQAAABAHwAAAAAAACYAAAAAAAAAwOD//wAAAAAmAAAAZAAAABYAAABMAAAAAAAAAAAAAAAEAAAAAAAAAAEAAACAgIAKAAAAACgAAAAoAAAAZAAAAGQAAAAAAAAAzMzMAAAAAABQAAAAUAAAAGQAAABkAAAAAAAAABcAAAAUAAAAAAAAAAAAAAD/fwAA/38AAAAAAAAJAAAABAAAAAAAAAAMAAAAEAAAAAAAAAAAAAAAAAAAAAAAAAAeAAAAaAAAAAAAAAAAAAAAAAAAAAAAAAAAAAAAECcAABAnAAAAAAAAAAAAAAAAAAAAAAAAAAAAAAAAAAAAAAAAAAAAABQAAAAAAAAAwMD/AAAAAABkAAAAMgAAAAAAAABkAAAAAAAAAH9/fwAKAAAAHwAAAFQAAAAAAAAFAAAAAQAAAAAAAAAAAAAAAAAAAAAAAAAAAAAAAAAAAAAAAAAAAAAAAn9/fwAAAAADzMzMAMDA/wB/f38AAAAAAAAAAAAAAAAAAAAAAAAAAAAhAAAAGAAAABQAAADQAgAAGycAAPAPAABZKQAAEAAAACYAAAAIAAAAAAAAAAAAAAA="/>
               </a:ext>
             </a:extLst>
           </p:cNvSpPr>
@@ -530,7 +528,7 @@
           <a:lstStyle/>
           <a:p>
             <a:pPr/>
-            <a:fld id="{2BE475F5-BBC6-B183-885C-4DD63B127E18}" type="datetime1">
+            <a:fld id="{2683B493-DDCB-D642-853B-2B17FA75737E}" type="datetime1">
               <a:t/>
             </a:fld>
           </a:p>
@@ -543,7 +541,7 @@
             <a:spLocks noGrp="1" noChangeArrowheads="1"/>
             <a:extLst>
               <a:ext uri="smNativeData">
-                <pr:smNativeData xmlns:pr="smNativeData" val="SMDATA_13_9MGoYxMAAAAlAAAAZAAAAA8BAAAAkAAAAEgAAACQAAAASAAAAAAAAAABAAAAAAAAAAEAAABQAAAAAAAAAAAA4D8AAAAAAADgPwAAAAAAAOA/AAAAAAAA4D8AAAAAAADgPwAAAAAAAOA/AAAAAAAA4D8AAAAAAADgPwAAAAAAAOA/AAAAAAAA4D8CAAAAjAAAAAAAAAAAAAAAu+DjDP///wgAAAAAAAAAAAAAAAAAAAAAAAAAAAAAAAAAAAAAZAAAAAEAAABAAAAAAAAAAAAAAAAAAAAAAAAAAAAAAAAAAAAAAAAAAAAAAAAAAAAAAAAAAAAAAAAAAAAAAAAAAAAAAAAAAAAAAAAAAAAAAAAAAAAAAAAAAAAAAAAAAAAAFAAAADwAAAAAAAAAAAAAAAAAAAkUAAAAAQAAABQAAAAUAAAAFAAAAAEAAAAAAAAAZAAAAGQAAAAAAAAAZAAAAGQAAAAVAAAAYAAAAAAAAAAAAAAADwAAACADAAAAAAAAAAAAAAEAAACgMgAAVgcAAKr4//8BAAAAf39/AAEAAABkAAAAAAAAABQAAABAHwAAAAAAACYAAAAAAAAAwOD//wAAAAAmAAAAZAAAABYAAABMAAAAAAAAAAAAAAAEAAAAAAAAAAEAAACAgIAKAAAAACgAAAAoAAAAZAAAAGQAAAAAAAAAzMzMAAAAAABQAAAAUAAAAGQAAABkAAAAAAAAABcAAAAUAAAAAAAAAAAAAAD/fwAA/38AAAAAAAAJAAAABAAAAAAAAAAMAAAAEAAAAAAAAAAAAAAAAAAAAAAAAAAeAAAAaAAAAAAAAAAAAAAAAAAAAAAAAAAAAAAAECcAABAnAAAAAAAAAAAAAAAAAAAAAAAAAAAAAAAAAAAAAAAAAAAAABQAAAAAAAAAwMD/AAAAAABkAAAAMgAAAAAAAABkAAAAAAAAAH9/fwAKAAAAHwAAAFQAAAAAAAAFAAAAAQAAAAAAAAAAAAAAAAAAAAAAAAAAAAAAAAAAAAAAAAAAAAAAAn9/fwAAAAADzMzMAMDA/wB/f38AAAAAAAAAAAAAAAAAAAAAAAAAAAAhAAAAGAAAABQAAAA4EwAAGycAAAglAABZKQAAAAAAACYAAAAIAAAAAAAAAAAAAAA="/>
+                <pr:smNativeData xmlns:pr="smNativeData" val="SMDATA_13_5iCqYxMAAAAlAAAAZAAAAA8BAAAAkAAAAEgAAACQAAAASAAAAAAAAAABAAAAAAAAAAEAAABQAAAAAAAAAAAA4D8AAAAAAADgPwAAAAAAAOA/AAAAAAAA4D8AAAAAAADgPwAAAAAAAOA/AAAAAAAA4D8AAAAAAADgPwAAAAAAAOA/AAAAAAAA4D8CAAAAjAAAAAAAAAAAAAAAu+DjDP///wgAAAAAAAAAAAAAAAAAAAAAAAAAAAAAAAAAAAAAZAAAAAEAAABAAAAAAAAAAAAAAAAAAAAAAAAAAAAAAAAAAAAAAAAAAAAAAAAAAAAAAAAAAAAAAAAAAAAAAAAAAAAAAAAAAAAAAAAAAAAAAAAAAAAAAAAAAAAAAAAAAAAAFAAAADwAAAAAAAAAAAAAAAAAAAkUAAAAAQAAABQAAAAUAAAAFAAAAAEAAAAAAAAAZAAAAGQAAAAAAAAAZAAAAGQAAAAVAAAAYAAAAAAAAAAAAAAADwAAACADAAAAAAAAAAAAAAEAAACgMgAAVgcAAKr4//8BAAAAf39/AAEAAABkAAAAAAAAABQAAABAHwAAAAAAACYAAAAAAAAAwOD//wAAAAAmAAAAZAAAABYAAABMAAAAAAAAAAAAAAAEAAAAAAAAAAEAAACAgIAKAAAAACgAAAAoAAAAZAAAAGQAAAAAAAAAzMzMAAAAAABQAAAAUAAAAGQAAABkAAAAAAAAABcAAAAUAAAAAAAAAAAAAAD/fwAA/38AAAAAAAAJAAAABAAAAAAAAAAMAAAAEAAAAAAAAAAAAAAAAAAAAAAAAAAeAAAAaAAAAAAAAAAAAAAAAAAAAAAAAAAAAAAAECcAABAnAAAAAAAAAAAAAAAAAAAAAAAAAAAAAAAAAAAAAAAAAAAAABQAAAAAAAAAwMD/AAAAAABkAAAAMgAAAAAAAABkAAAAAAAAAH9/fwAKAAAAHwAAAFQAAAAAAAAFAAAAAQAAAAAAAAAAAAAAAAAAAAAAAAAAAAAAAAAAAAAAAAAAAAAAAn9/fwAAAAADzMzMAMDA/wB/f38AAAAAAAAAAAAAAAAAAAAAAAAAAAAhAAAAGAAAABQAAAA4EwAAGycAAAglAABZKQAAEAAAACYAAAAIAAAAAAAAAAAAAAA="/>
               </a:ext>
             </a:extLst>
           </p:cNvSpPr>
@@ -557,9 +555,6 @@
           <a:lstStyle/>
           <a:p>
             <a:pPr/>
-            <a:r>
-              <a:t/>
-            </a:r>
           </a:p>
         </p:txBody>
       </p:sp>
@@ -570,7 +565,7 @@
             <a:spLocks noGrp="1" noChangeArrowheads="1"/>
             <a:extLst>
               <a:ext uri="smNativeData">
-                <pr:smNativeData xmlns:pr="smNativeData" val="SMDATA_13_9MGoYxMAAAAlAAAAZAAAAA8BAAAAkAAAAEgAAACQAAAASAAAAAAAAAABAAAAAAAAAAEAAABQAAAAAAAAAAAA4D8AAAAAAADgPwAAAAAAAOA/AAAAAAAA4D8AAAAAAADgPwAAAAAAAOA/AAAAAAAA4D8AAAAAAADgPwAAAAAAAOA/AAAAAAAA4D8CAAAAjAAAAAAAAAAAAAAAu+DjDP///wgAAAAAAAAAAAAAAAAAAAAAAAAAAAAAAAAAAAAAZAAAAAEAAABAAAAAAAAAAAAAAAAAAAAAAAAAAAAAAAAAAAAAAAAAAAAAAAAAAAAAAAAAAAAAAAAAAAAAAAAAAAAAAAAAAAAAAAAAAAAAAAAAAAAAAAAAAAAAAAAAAAAAFAAAADwAAAAAAAAAAAAAAAAAAAkUAAAAAQAAABQAAAAUAAAAFAAAAAEAAAAAAAAAZAAAAGQAAAAAAAAAZAAAAGQAAAAVAAAAYAAAAAAAAAAAAAAADwAAACADAAAAAAAAAAAAAAEAAACgMgAAVgcAAKr4//8BAAAAf39/AAEAAABkAAAAAAAAABQAAABAHwAAAAAAACYAAAAAAAAAwOD//wAAAAAmAAAAZAAAABYAAABMAAAAAAAAAAAAAAAEAAAAAAAAAAEAAACAgIAKAAAAACgAAAAoAAAAZAAAAGQAAAAAAAAAzMzMAAAAAABQAAAAUAAAAGQAAABkAAAAAAAAABcAAAAUAAAAAAAAAAAAAAD/fwAA/38AAAAAAAAJAAAABAAAAAAAAAAMAAAAEAAAAAAAAAAAAAAAAAAAAAAAAAAeAAAAaAAAAAAAAAAAAAAAAAAAAAAAAAAAAAAAECcAABAnAAAAAAAAAAAAAAAAAAAAAAAAAAAAAAAAAAAAAAAAAAAAABQAAAAAAAAAwMD/AAAAAABkAAAAMgAAAAAAAABkAAAAAAAAAH9/fwAKAAAAHwAAAFQAAAAAAAAFAAAAAQAAAAAAAAAAAAAAAAAAAAAAAAAAAAAAAAAAAAAAAAAAAAAAAn9/fwAAAAADzMzMAMDA/wB/f38AAAAAAAAAAAAAAAAAAAAAAAAAAAAhAAAAGAAAABQAAABQKAAAGycAAHA1AABZKQAAAAAAACYAAAAIAAAAAAAAAAAAAAA="/>
+                <pr:smNativeData xmlns:pr="smNativeData" val="SMDATA_13_5iCqYxMAAAAlAAAAZAAAAA8BAAAAkAAAAEgAAACQAAAASAAAAAAAAAABAAAAAAAAAAEAAABQAAAAAAAAAAAA4D8AAAAAAADgPwAAAAAAAOA/AAAAAAAA4D8AAAAAAADgPwAAAAAAAOA/AAAAAAAA4D8AAAAAAADgPwAAAAAAAOA/AAAAAAAA4D8CAAAAjAAAAAAAAAAAAAAAu+DjDP///wgAAAAAAAAAAAAAAAAAAAAAAAAAAAAAAAAAAAAAZAAAAAEAAABAAAAAAAAAAAAAAAAAAAAAAAAAAAAAAAAAAAAAAAAAAAAAAAAAAAAAAAAAAAAAAAAAAAAAAAAAAAAAAAAAAAAAAAAAAAAAAAAAAAAAAAAAAAAAAAAAAAAAFAAAADwAAAAAAAAAAAAAAAAAAAkUAAAAAQAAABQAAAAUAAAAFAAAAAEAAAAAAAAAZAAAAGQAAAAAAAAAZAAAAGQAAAAVAAAAYAAAAAAAAAAAAAAADwAAACADAAAAAAAAAAAAAAEAAACgMgAAVgcAAKr4//8BAAAAf39/AAEAAABkAAAAAAAAABQAAABAHwAAAAAAACYAAAAAAAAAwOD//wAAAAAmAAAAZAAAABYAAABMAAAAAAAAAAAAAAAEAAAAAAAAAAEAAACAgIAKAAAAACgAAAAoAAAAZAAAAGQAAAAAAAAAzMzMAAAAAABQAAAAUAAAAGQAAABkAAAAAAAAABcAAAAUAAAAAAAAAAAAAAD/fwAA/38AAAAAAAAJAAAABAAAAAAAAAAMAAAAEAAAAAAAAAAAAAAAAAAAAAAAAAAeAAAAaAAAAAAAAAAAAAAAAAAAAAAAAAAAAAAAECcAABAnAAAAAAAAAAAAAAAAAAAAAAAAAAAAAAAAAAAAAAAAAAAAABQAAAAAAAAAwMD/AAAAAABkAAAAMgAAAAAAAABkAAAAAAAAAH9/fwAKAAAAHwAAAFQAAAAAAAAFAAAAAQAAAAAAAAAAAAAAAAAAAAAAAAAAAAAAAAAAAAAAAAAAAAAAAn9/fwAAAAADzMzMAMDA/wB/f38AAAAAAAAAAAAAAAAAAAAAAAAAAAAhAAAAGAAAABQAAABQKAAAGycAAHA1AABZKQAAEAAAACYAAAAIAAAAAAAAAAAAAAA="/>
               </a:ext>
             </a:extLst>
           </p:cNvSpPr>
@@ -584,7 +579,7 @@
           <a:lstStyle/>
           <a:p>
             <a:pPr/>
-            <a:fld id="{2BE475D2-9CC6-B183-885C-6AD63B127E3F}" type="slidenum">
+            <a:fld id="{2683FAB0-FECB-D60C-853B-0859B475735D}" type="slidenum">
               <a:t/>
             </a:fld>
           </a:p>
@@ -622,7 +617,7 @@
             <a:spLocks noGrp="1" noChangeArrowheads="1"/>
             <a:extLst>
               <a:ext uri="smNativeData">
-                <pr:smNativeData xmlns:pr="smNativeData" val="SMDATA_13_9MGoYxMAAAAlAAAAZAAAAA8BAAAAkAAAAEgAAACQAAAASAAAAAAAAAACAAAAAQAAAAEAAABQAAAAAAAAAAAA4D8AAAAAAADgPwAAAAAAAOA/AAAAAAAA4D8AAAAAAADgPwAAAAAAAOA/AAAAAAAA4D8AAAAAAADgPwAAAAAAAOA/AAAAAAAA4D8CAAAAjAAAAAAAAAAAAAAAu+DjDP///wgAAAAAAAAAAAAAAAAAAAAAAAAAAAAAAAAAAAAAZAAAAAEAAABAAAAAAAAAAAAAAAAAAAAAAAAAAAAAAAAAAAAAAAAAAAAAAAAAAAAAAAAAAAAAAAAAAAAAAAAAAAAAAAAAAAAAAAAAAAAAAAAAAAAAAAAAAAAAAAAAAAAAFAAAADwAAAAAAAAAAAAAAAAAAAkUAAAAAQAAABQAAAAUAAAAFAAAAAEAAAAAAAAAZAAAAGQAAAAAAAAAZAAAAGQAAAAVAAAAYAAAAAAAAAAAAAAADwAAACADAAAAAAAAAAAAAAEAAACgMgAAVgcAAKr4//8BAAAAf39/AAEAAABkAAAAAAAAABQAAABAHwAAAAAAACYAAAAAAAAAwOD//wAAAAAmAAAAZAAAABYAAABMAAAAAAAAAAAAAAAEAAAAAAAAAAEAAACAgIAKAAAAACgAAAAoAAAAZAAAAGQAAAAAAAAAzMzMAAAAAABQAAAAUAAAAGQAAABkAAAAAAAAABcAAAAUAAAAAAAAAAAAAAD/fwAA/38AAAAAAAAJAAAABAAAAAAAAAAMAAAAEAAAAAAAAAAAAAAAAAAAAAAAAAAeAAAAaAAAAAAAAAAAAAAAAAAAAAAAAAAAAAAAECcAABAnAAAAAAAAAAAAAAAAAAAAAAAAAAAAAAAAAAAAAAAAAAAAABQAAAAAAAAAwMD/AAAAAABkAAAAMgAAAAAAAABkAAAAAAAAAH9/fwAKAAAAHwAAAFQAAAAAAAAFAAAAAQAAAAAAAAAAAAAAAAAAAAAAAAAAAAAAAAAAAAAAAAAAAAAAAn9/fwAAAAADzMzMAMDA/wB/f38AAAAAAAAAAAAAAAAAAAAAAAAAAAAhAAAAGAAAABQAAADIKAAAsAEAAHA1AACwJQAAAAAAACYAAAAIAAAAgwAAAAAAAAA="/>
+                <pr:smNativeData xmlns:pr="smNativeData" val="SMDATA_13_5iCqYxMAAAAlAAAAZAAAAA8BAAAAkAAAAEgAAACQAAAASAAAAAAAAAACAAAAAQAAAAEAAABQAAAAAAAAAAAA4D8AAAAAAADgPwAAAAAAAOA/AAAAAAAA4D8AAAAAAADgPwAAAAAAAOA/AAAAAAAA4D8AAAAAAADgPwAAAAAAAOA/AAAAAAAA4D8CAAAAjAAAAAAAAAAAAAAAu+DjDP///wgAAAAAAAAAAAAAAAAAAAAAAAAAAAAAAAAAAAAAZAAAAAEAAABAAAAAAAAAAAAAAAAAAAAAAAAAAAAAAAAAAAAAAAAAAAAAAAAAAAAAAAAAAAAAAAAAAAAAAAAAAAAAAAAAAAAAAAAAAAAAAAAAAAAAAAAAAAAAAAAAAAAAFAAAADwAAAAAAAAAAAAAAAAAAAkUAAAAAQAAABQAAAAUAAAAFAAAAAEAAAAAAAAAZAAAAGQAAAAAAAAAZAAAAGQAAAAVAAAAYAAAAAAAAAAAAAAADwAAACADAAAAAAAAAAAAAAEAAACgMgAAVgcAAKr4//8BAAAAf39/AAEAAABkAAAAAAAAABQAAABAHwAAAAAAACYAAAAAAAAAwOD//wAAAAAmAAAAZAAAABYAAABMAAAAAAAAAAAAAAAEAAAAAAAAAAEAAACAgIAKAAAAACgAAAAoAAAAZAAAAGQAAAAAAAAAzMzMAAAAAABQAAAAUAAAAGQAAABkAAAAAAAAABcAAAAUAAAAAAAAAAAAAAD/fwAA/38AAAAAAAAJAAAABAAAAAAAAAAMAAAAEAAAAAAAAAAAAAAAAAAAAAAAAAAeAAAAaAAAAAAAAAAAAAAAAAAAAAAAAAAAAAAAECcAABAnAAAAAAAAAAAAAAAAAAAAAAAAAAAAAAAAAAAAAAAAAAAAABQAAAAAAAAAwMD/AAAAAABkAAAAMgAAAAAAAABkAAAAAAAAAH9/fwAKAAAAHwAAAFQAAAAAAAAFAAAAAQAAAAAAAAAAAAAAAAAAAAAAAAAAAAAAAAAAAAAAAAAAAAAAAn9/fwAAAAADzMzMAMDA/wB/f38AAAAAAAAAAAAAAAAAAAAAAAAAAAAhAAAAGAAAABQAAADIKAAAsAEAAHA1AACwJQAAEAAAACYAAAAIAAAAgwAAAAAAAAA="/>
               </a:ext>
             </a:extLst>
           </p:cNvSpPr>
@@ -658,7 +653,7 @@
             <a:spLocks noGrp="1" noChangeArrowheads="1"/>
             <a:extLst>
               <a:ext uri="smNativeData">
-                <pr:smNativeData xmlns:pr="smNativeData" val="SMDATA_13_9MGoYxMAAAAlAAAAZAAAAA8BAAAAkAAAAEgAAACQAAAASAAAAAAAAAAAAAAAAQAAAAEAAABQAAAAAAAAAAAA4D8AAAAAAADgPwAAAAAAAOA/AAAAAAAA4D8AAAAAAADgPwAAAAAAAOA/AAAAAAAA4D8AAAAAAADgPwAAAAAAAOA/AAAAAAAA4D8CAAAAjAAAAAAAAAAAAAAAu+DjDP///wgAAAAAAAAAAAAAAAAAAAAAAAAAAAAAAAAAAAAAZAAAAAEAAABAAAAAAAAAAAAAAAAAAAAAAAAAAAAAAAAAAAAAAAAAAAAAAAAAAAAAAAAAAAAAAAAAAAAAAAAAAAAAAAAAAAAAAAAAAAAAAAAAAAAAAAAAAAAAAAAAAAAAFAAAADwAAAAAAAAAAAAAAAAAAAkUAAAAAQAAABQAAAAUAAAAFAAAAAEAAAAAAAAAZAAAAGQAAAAAAAAAZAAAAGQAAAAVAAAAYAAAAAAAAAAAAAAADwAAACADAAAAAAAAAAAAAAEAAACgMgAAVgcAAKr4//8BAAAAf39/AAEAAABkAAAAAAAAABQAAABAHwAAAAAAACYAAAAAAAAAwOD//wAAAAAmAAAAZAAAABYAAABMAAAAAAAAAAAAAAAEAAAAAAAAAAEAAACAgIAKAAAAACgAAAAoAAAAZAAAAGQAAAAAAAAAzMzMAAAAAABQAAAAUAAAAGQAAABkAAAAAAAAABcAAAAUAAAAAAAAAAAAAAD/fwAA/38AAAAAAAAJAAAABAAAAAAAAAAMAAAAEAAAAAAAAAAAAAAAAAAAAAAAAAAeAAAAaAAAAAAAAAAAAAAAAAAAAAAAAAAAAAAAECcAABAnAAAAAAAAAAAAAAAAAAAAAAAAAAAAAAAAAAAAAAAAAAAAABQAAAAAAAAAwMD/AAAAAABkAAAAMgAAAAAAAABkAAAAAAAAAH9/fwAKAAAAHwAAAFQAAAAAAAAFAAAAAQAAAAAAAAAAAAAAAAAAAAAAAAAAAAAAAAAAAAAAAAAAAAAAAn9/fwAAAAADzMzMAMDA/wB/f38AAAAAAAAAAAAAAAAAAAAAAAAAAAAhAAAAGAAAABQAAADQAgAAsAEAANgnAACwJQAAAAAAACYAAAAIAAAAAwAAAAAAAAA="/>
+                <pr:smNativeData xmlns:pr="smNativeData" val="SMDATA_13_5iCqYxMAAAAlAAAAZAAAAA8BAAAAkAAAAEgAAACQAAAASAAAAAAAAAAAAAAAAQAAAAEAAABQAAAAAAAAAAAA4D8AAAAAAADgPwAAAAAAAOA/AAAAAAAA4D8AAAAAAADgPwAAAAAAAOA/AAAAAAAA4D8AAAAAAADgPwAAAAAAAOA/AAAAAAAA4D8CAAAAjAAAAAAAAAAAAAAAu+DjDP///wgAAAAAAAAAAAAAAAAAAAAAAAAAAAAAAAAAAAAAZAAAAAEAAABAAAAAAAAAAAAAAAAAAAAAAAAAAAAAAAAAAAAAAAAAAAAAAAAAAAAAAAAAAAAAAAAAAAAAAAAAAAAAAAAAAAAAAAAAAAAAAAAAAAAAAAAAAAAAAAAAAAAAFAAAADwAAAAAAAAAAAAAAAAAAAkUAAAAAQAAABQAAAAUAAAAFAAAAAEAAAAAAAAAZAAAAGQAAAAAAAAAZAAAAGQAAAAVAAAAYAAAAAAAAAAAAAAADwAAACADAAAAAAAAAAAAAAEAAACgMgAAVgcAAKr4//8BAAAAf39/AAEAAABkAAAAAAAAABQAAABAHwAAAAAAACYAAAAAAAAAwOD//wAAAAAmAAAAZAAAABYAAABMAAAAAAAAAAAAAAAEAAAAAAAAAAEAAACAgIAKAAAAACgAAAAoAAAAZAAAAGQAAAAAAAAAzMzMAAAAAABQAAAAUAAAAGQAAABkAAAAAAAAABcAAAAUAAAAAAAAAAAAAAD/fwAA/38AAAAAAAAJAAAABAAAAAAAAAAMAAAAEAAAAAAAAAAAAAAAAAAAAAAAAAAeAAAAaAAAAAAAAAAAAAAAAAAAAAAAAAAAAAAAECcAABAnAAAAAAAAAAAAAAAAAAAAAAAAAAAAAAAAAAAAAAAAAAAAABQAAAAAAAAAwMD/AAAAAABkAAAAMgAAAAAAAABkAAAAAAAAAH9/fwAKAAAAHwAAAFQAAAAAAAAFAAAAAQAAAAAAAAAAAAAAAAAAAAAAAAAAAAAAAAAAAAAAAAAAAAAAAn9/fwAAAAADzMzMAMDA/wB/f38AAAAAAAAAAAAAAAAAAAAAAAAAAAAhAAAAGAAAABQAAADQAgAAsAEAANgnAACwJQAAEAAAACYAAAAIAAAAAwAAAAAAAAA="/>
               </a:ext>
             </a:extLst>
           </p:cNvSpPr>
@@ -718,7 +713,7 @@
             <a:spLocks noGrp="1" noChangeArrowheads="1"/>
             <a:extLst>
               <a:ext uri="smNativeData">
-                <pr:smNativeData xmlns:pr="smNativeData" val="SMDATA_13_9MGoYxMAAAAlAAAAZAAAAA8BAAAAkAAAAEgAAACQAAAASAAAAAAAAAABAAAAAAAAAAEAAABQAAAAAAAAAAAA4D8AAAAAAADgPwAAAAAAAOA/AAAAAAAA4D8AAAAAAADgPwAAAAAAAOA/AAAAAAAA4D8AAAAAAADgPwAAAAAAAOA/AAAAAAAA4D8CAAAAjAAAAAAAAAAAAAAAu+DjDP///wgAAAAAAAAAAAAAAAAAAAAAAAAAAAAAAAAAAAAAZAAAAAEAAABAAAAAAAAAAAAAAAAAAAAAAAAAAAAAAAAAAAAAAAAAAAAAAAAAAAAAAAAAAAAAAAAAAAAAAAAAAAAAAAAAAAAAAAAAAAAAAAAAAAAAAAAAAAAAAAAAAAAAFAAAADwAAAAAAAAAAAAAAAAAAAkUAAAAAQAAABQAAAAUAAAAFAAAAAEAAAAAAAAAZAAAAGQAAAAAAAAAZAAAAGQAAAAVAAAAYAAAAAAAAAAAAAAADwAAACADAAAAAAAAAAAAAAEAAACgMgAAVgcAAKr4//8BAAAAf39/AAEAAABkAAAAAAAAABQAAABAHwAAAAAAACYAAAAAAAAAwOD//wAAAAAmAAAAZAAAABYAAABMAAAAAAAAAAAAAAAEAAAAAAAAAAEAAACAgIAKAAAAACgAAAAoAAAAZAAAAGQAAAAAAAAAzMzMAAAAAABQAAAAUAAAAGQAAABkAAAAAAAAABcAAAAUAAAAAAAAAAAAAAD/fwAA/38AAAAAAAAJAAAABAAAAAAAAAAMAAAAEAAAAAAAAAAAAAAAAAAAAAAAAAAeAAAAaAAAAAAAAAAAAAAAAAAAAAAAAAAAAAAAECcAABAnAAAAAAAAAAAAAAAAAAAAAAAAAAAAAAAAAAAAAAAAAAAAABQAAAAAAAAAwMD/AAAAAABkAAAAMgAAAAAAAABkAAAAAAAAAH9/fwAKAAAAHwAAAFQAAAAAAAAFAAAAAQAAAAAAAAAAAAAAAAAAAAAAAAAAAAAAAAAAAAAAAAAAAAAAAn9/fwAAAAADzMzMAMDA/wB/f38AAAAAAAAAAAAAAAAAAAAAAAAAAAAhAAAAGAAAABQAAADQAgAAGycAAPAPAABZKQAAAAAAACYAAAAIAAAAAAAAAAAAAAA="/>
+                <pr:smNativeData xmlns:pr="smNativeData" val="SMDATA_13_5iCqYxMAAAAlAAAAZAAAAA8BAAAAkAAAAEgAAACQAAAASAAAAAAAAAABAAAAAAAAAAEAAABQAAAAAAAAAAAA4D8AAAAAAADgPwAAAAAAAOA/AAAAAAAA4D8AAAAAAADgPwAAAAAAAOA/AAAAAAAA4D8AAAAAAADgPwAAAAAAAOA/AAAAAAAA4D8CAAAAjAAAAAAAAAAAAAAAu+DjDP///wgAAAAAAAAAAAAAAAAAAAAAAAAAAAAAAAAAAAAAZAAAAAEAAABAAAAAAAAAAAAAAAAAAAAAAAAAAAAAAAAAAAAAAAAAAAAAAAAAAAAAAAAAAAAAAAAAAAAAAAAAAAAAAAAAAAAAAAAAAAAAAAAAAAAAAAAAAAAAAAAAAAAAFAAAADwAAAAAAAAAAAAAAAAAAAkUAAAAAQAAABQAAAAUAAAAFAAAAAEAAAAAAAAAZAAAAGQAAAAAAAAAZAAAAGQAAAAVAAAAYAAAAAAAAAAAAAAADwAAACADAAAAAAAAAAAAAAEAAACgMgAAVgcAAKr4//8BAAAAf39/AAEAAABkAAAAAAAAABQAAABAHwAAAAAAACYAAAAAAAAAwOD//wAAAAAmAAAAZAAAABYAAABMAAAAAAAAAAAAAAAEAAAAAAAAAAEAAACAgIAKAAAAACgAAAAoAAAAZAAAAGQAAAAAAAAAzMzMAAAAAABQAAAAUAAAAGQAAABkAAAAAAAAABcAAAAUAAAAAAAAAAAAAAD/fwAA/38AAAAAAAAJAAAABAAAAAAAAAAMAAAAEAAAAAAAAAAAAAAAAAAAAAAAAAAeAAAAaAAAAAAAAAAAAAAAAAAAAAAAAAAAAAAAECcAABAnAAAAAAAAAAAAAAAAAAAAAAAAAAAAAAAAAAAAAAAAAAAAABQAAAAAAAAAwMD/AAAAAABkAAAAMgAAAAAAAABkAAAAAAAAAH9/fwAKAAAAHwAAAFQAAAAAAAAFAAAAAQAAAAAAAAAAAAAAAAAAAAAAAAAAAAAAAAAAAAAAAAAAAAAAAn9/fwAAAAADzMzMAMDA/wB/f38AAAAAAAAAAAAAAAAAAAAAAAAAAAAhAAAAGAAAABQAAADQAgAAGycAAPAPAABZKQAAEAAAACYAAAAIAAAAAAAAAAAAAAA="/>
               </a:ext>
             </a:extLst>
           </p:cNvSpPr>
@@ -732,7 +727,7 @@
           <a:lstStyle/>
           <a:p>
             <a:pPr/>
-            <a:fld id="{2BE4491B-55C6-B1BF-885C-A3EA07127EF6}" type="datetime1">
+            <a:fld id="{26839DB2-FCCB-D66B-853B-0A3ED375735F}" type="datetime1">
               <a:t/>
             </a:fld>
           </a:p>
@@ -745,7 +740,7 @@
             <a:spLocks noGrp="1" noChangeArrowheads="1"/>
             <a:extLst>
               <a:ext uri="smNativeData">
-                <pr:smNativeData xmlns:pr="smNativeData" val="SMDATA_13_9MGoYxMAAAAlAAAAZAAAAA8BAAAAkAAAAEgAAACQAAAASAAAAAAAAAABAAAAAAAAAAEAAABQAAAAAAAAAAAA4D8AAAAAAADgPwAAAAAAAOA/AAAAAAAA4D8AAAAAAADgPwAAAAAAAOA/AAAAAAAA4D8AAAAAAADgPwAAAAAAAOA/AAAAAAAA4D8CAAAAjAAAAAAAAAAAAAAAu+DjDP///wgAAAAAAAAAAAAAAAAAAAAAAAAAAAAAAAAAAAAAZAAAAAEAAABAAAAAAAAAAAAAAAAAAAAAAAAAAAAAAAAAAAAAAAAAAAAAAAAAAAAAAAAAAAAAAAAAAAAAAAAAAAAAAAAAAAAAAAAAAAAAAAAAAAAAAAAAAAAAAAAAAAAAFAAAADwAAAAAAAAAAAAAAAAAAAkUAAAAAQAAABQAAAAUAAAAFAAAAAEAAAAAAAAAZAAAAGQAAAAAAAAAZAAAAGQAAAAVAAAAYAAAAAAAAAAAAAAADwAAACADAAAAAAAAAAAAAAEAAACgMgAAVgcAAKr4//8BAAAAf39/AAEAAABkAAAAAAAAABQAAABAHwAAAAAAACYAAAAAAAAAwOD//wAAAAAmAAAAZAAAABYAAABMAAAAAAAAAAAAAAAEAAAAAAAAAAEAAACAgIAKAAAAACgAAAAoAAAAZAAAAGQAAAAAAAAAzMzMAAAAAABQAAAAUAAAAGQAAABkAAAAAAAAABcAAAAUAAAAAAAAAAAAAAD/fwAA/38AAAAAAAAJAAAABAAAAAAAAAAMAAAAEAAAAAAAAAAAAAAAAAAAAAAAAAAeAAAAaAAAAAAAAAAAAAAAAAAAAAAAAAAAAAAAECcAABAnAAAAAAAAAAAAAAAAAAAAAAAAAAAAAAAAAAAAAAAAAAAAABQAAAAAAAAAwMD/AAAAAABkAAAAMgAAAAAAAABkAAAAAAAAAH9/fwAKAAAAHwAAAFQAAAAAAAAFAAAAAQAAAAAAAAAAAAAAAAAAAAAAAAAAAAAAAAAAAAAAAAAAAAAAAn9/fwAAAAADzMzMAMDA/wB/f38AAAAAAAAAAAAAAAAAAAAAAAAAAAAhAAAAGAAAABQAAAA4EwAAGycAAAglAABZKQAAAAAAACYAAAAIAAAAAAAAAAAAAAA="/>
+                <pr:smNativeData xmlns:pr="smNativeData" val="SMDATA_13_5iCqYxMAAAAlAAAAZAAAAA8BAAAAkAAAAEgAAACQAAAASAAAAAAAAAABAAAAAAAAAAEAAABQAAAAAAAAAAAA4D8AAAAAAADgPwAAAAAAAOA/AAAAAAAA4D8AAAAAAADgPwAAAAAAAOA/AAAAAAAA4D8AAAAAAADgPwAAAAAAAOA/AAAAAAAA4D8CAAAAjAAAAAAAAAAAAAAAu+DjDP///wgAAAAAAAAAAAAAAAAAAAAAAAAAAAAAAAAAAAAAZAAAAAEAAABAAAAAAAAAAAAAAAAAAAAAAAAAAAAAAAAAAAAAAAAAAAAAAAAAAAAAAAAAAAAAAAAAAAAAAAAAAAAAAAAAAAAAAAAAAAAAAAAAAAAAAAAAAAAAAAAAAAAAFAAAADwAAAAAAAAAAAAAAAAAAAkUAAAAAQAAABQAAAAUAAAAFAAAAAEAAAAAAAAAZAAAAGQAAAAAAAAAZAAAAGQAAAAVAAAAYAAAAAAAAAAAAAAADwAAACADAAAAAAAAAAAAAAEAAACgMgAAVgcAAKr4//8BAAAAf39/AAEAAABkAAAAAAAAABQAAABAHwAAAAAAACYAAAAAAAAAwOD//wAAAAAmAAAAZAAAABYAAABMAAAAAAAAAAAAAAAEAAAAAAAAAAEAAACAgIAKAAAAACgAAAAoAAAAZAAAAGQAAAAAAAAAzMzMAAAAAABQAAAAUAAAAGQAAABkAAAAAAAAABcAAAAUAAAAAAAAAAAAAAD/fwAA/38AAAAAAAAJAAAABAAAAAAAAAAMAAAAEAAAAAAAAAAAAAAAAAAAAAAAAAAeAAAAaAAAAAAAAAAAAAAAAAAAAAAAAAAAAAAAECcAABAnAAAAAAAAAAAAAAAAAAAAAAAAAAAAAAAAAAAAAAAAAAAAABQAAAAAAAAAwMD/AAAAAABkAAAAMgAAAAAAAABkAAAAAAAAAH9/fwAKAAAAHwAAAFQAAAAAAAAFAAAAAQAAAAAAAAAAAAAAAAAAAAAAAAAAAAAAAAAAAAAAAAAAAAAAAn9/fwAAAAADzMzMAMDA/wB/f38AAAAAAAAAAAAAAAAAAAAAAAAAAAAhAAAAGAAAABQAAAA4EwAAGycAAAglAABZKQAAEAAAACYAAAAIAAAAAAAAAAAAAAA="/>
               </a:ext>
             </a:extLst>
           </p:cNvSpPr>
@@ -759,9 +754,6 @@
           <a:lstStyle/>
           <a:p>
             <a:pPr/>
-            <a:r>
-              <a:t/>
-            </a:r>
           </a:p>
         </p:txBody>
       </p:sp>
@@ -772,7 +764,7 @@
             <a:spLocks noGrp="1" noChangeArrowheads="1"/>
             <a:extLst>
               <a:ext uri="smNativeData">
-                <pr:smNativeData xmlns:pr="smNativeData" val="SMDATA_13_9MGoYxMAAAAlAAAAZAAAAA8BAAAAkAAAAEgAAACQAAAASAAAAAAAAAABAAAAAAAAAAEAAABQAAAAAAAAAAAA4D8AAAAAAADgPwAAAAAAAOA/AAAAAAAA4D8AAAAAAADgPwAAAAAAAOA/AAAAAAAA4D8AAAAAAADgPwAAAAAAAOA/AAAAAAAA4D8CAAAAjAAAAAAAAAAAAAAAu+DjDP///wgAAAAAAAAAAAAAAAAAAAAAAAAAAAAAAAAAAAAAZAAAAAEAAABAAAAAAAAAAAAAAAAAAAAAAAAAAAAAAAAAAAAAAAAAAAAAAAAAAAAAAAAAAAAAAAAAAAAAAAAAAAAAAAAAAAAAAAAAAAAAAAAAAAAAAAAAAAAAAAAAAAAAFAAAADwAAAAAAAAAAAAAAAAAAAkUAAAAAQAAABQAAAAUAAAAFAAAAAEAAAAAAAAAZAAAAGQAAAAAAAAAZAAAAGQAAAAVAAAAYAAAAAAAAAAAAAAADwAAACADAAAAAAAAAAAAAAEAAACgMgAAVgcAAKr4//8BAAAAf39/AAEAAABkAAAAAAAAABQAAABAHwAAAAAAACYAAAAAAAAAwOD//wAAAAAmAAAAZAAAABYAAABMAAAAAAAAAAAAAAAEAAAAAAAAAAEAAACAgIAKAAAAACgAAAAoAAAAZAAAAGQAAAAAAAAAzMzMAAAAAABQAAAAUAAAAGQAAABkAAAAAAAAABcAAAAUAAAAAAAAAAAAAAD/fwAA/38AAAAAAAAJAAAABAAAAAAAAAAMAAAAEAAAAAAAAAAAAAAAAAAAAAAAAAAeAAAAaAAAAAAAAAAAAAAAAAAAAAAAAAAAAAAAECcAABAnAAAAAAAAAAAAAAAAAAAAAAAAAAAAAAAAAAAAAAAAAAAAABQAAAAAAAAAwMD/AAAAAABkAAAAMgAAAAAAAABkAAAAAAAAAH9/fwAKAAAAHwAAAFQAAAAAAAAFAAAAAQAAAAAAAAAAAAAAAAAAAAAAAAAAAAAAAAAAAAAAAAAAAAAAAn9/fwAAAAADzMzMAMDA/wB/f38AAAAAAAAAAAAAAAAAAAAAAAAAAAAhAAAAGAAAABQAAABQKAAAGycAAHA1AABZKQAAAAAAACYAAAAIAAAAAAAAAAAAAAA="/>
+                <pr:smNativeData xmlns:pr="smNativeData" val="SMDATA_13_5iCqYxMAAAAlAAAAZAAAAA8BAAAAkAAAAEgAAACQAAAASAAAAAAAAAABAAAAAAAAAAEAAABQAAAAAAAAAAAA4D8AAAAAAADgPwAAAAAAAOA/AAAAAAAA4D8AAAAAAADgPwAAAAAAAOA/AAAAAAAA4D8AAAAAAADgPwAAAAAAAOA/AAAAAAAA4D8CAAAAjAAAAAAAAAAAAAAAu+DjDP///wgAAAAAAAAAAAAAAAAAAAAAAAAAAAAAAAAAAAAAZAAAAAEAAABAAAAAAAAAAAAAAAAAAAAAAAAAAAAAAAAAAAAAAAAAAAAAAAAAAAAAAAAAAAAAAAAAAAAAAAAAAAAAAAAAAAAAAAAAAAAAAAAAAAAAAAAAAAAAAAAAAAAAFAAAADwAAAAAAAAAAAAAAAAAAAkUAAAAAQAAABQAAAAUAAAAFAAAAAEAAAAAAAAAZAAAAGQAAAAAAAAAZAAAAGQAAAAVAAAAYAAAAAAAAAAAAAAADwAAACADAAAAAAAAAAAAAAEAAACgMgAAVgcAAKr4//8BAAAAf39/AAEAAABkAAAAAAAAABQAAABAHwAAAAAAACYAAAAAAAAAwOD//wAAAAAmAAAAZAAAABYAAABMAAAAAAAAAAAAAAAEAAAAAAAAAAEAAACAgIAKAAAAACgAAAAoAAAAZAAAAGQAAAAAAAAAzMzMAAAAAABQAAAAUAAAAGQAAABkAAAAAAAAABcAAAAUAAAAAAAAAAAAAAD/fwAA/38AAAAAAAAJAAAABAAAAAAAAAAMAAAAEAAAAAAAAAAAAAAAAAAAAAAAAAAeAAAAaAAAAAAAAAAAAAAAAAAAAAAAAAAAAAAAECcAABAnAAAAAAAAAAAAAAAAAAAAAAAAAAAAAAAAAAAAAAAAAAAAABQAAAAAAAAAwMD/AAAAAABkAAAAMgAAAAAAAABkAAAAAAAAAH9/fwAKAAAAHwAAAFQAAAAAAAAFAAAAAQAAAAAAAAAAAAAAAAAAAAAAAAAAAAAAAAAAAAAAAAAAAAAAAn9/fwAAAAADzMzMAMDA/wB/f38AAAAAAAAAAAAAAAAAAAAAAAAAAAAhAAAAGAAAABQAAABQKAAAGycAAHA1AABZKQAAEAAAACYAAAAIAAAAAAAAAAAAAAA="/>
               </a:ext>
             </a:extLst>
           </p:cNvSpPr>
@@ -786,7 +778,7 @@
           <a:lstStyle/>
           <a:p>
             <a:pPr/>
-            <a:fld id="{2BE46B43-0DC6-B19D-885C-FBC825127EAE}" type="slidenum">
+            <a:fld id="{2683A501-4FCB-D653-853B-B906EB7573EC}" type="slidenum">
               <a:t/>
             </a:fld>
           </a:p>
@@ -824,7 +816,7 @@
             <a:spLocks noGrp="1" noChangeArrowheads="1"/>
             <a:extLst>
               <a:ext uri="smNativeData">
-                <pr:smNativeData xmlns:pr="smNativeData" val="SMDATA_13_9MGoYxMAAAAlAAAAZAAAAA8BAAAAkAAAAEgAAACQAAAASAAAAAAAAAABAAAAAAAAAAEAAABQAAAAAAAAAAAA4D8AAAAAAADgPwAAAAAAAOA/AAAAAAAA4D8AAAAAAADgPwAAAAAAAOA/AAAAAAAA4D8AAAAAAADgPwAAAAAAAOA/AAAAAAAA4D8CAAAAjAAAAAAAAAAAAAAAu+DjDP///wgAAAAAAAAAAAAAAAAAAAAAAAAAAAAAAAAAAAAAZAAAAAEAAABAAAAAAAAAAAAAAAAAAAAAAAAAAAAAAAAAAAAAAAAAAAAAAAAAAAAAAAAAAAAAAAAAAAAAAAAAAAAAAAAAAAAAAAAAAAAAAAAAAAAAAAAAAAAAAAAAAAAAFAAAADwAAAAAAAAAAAAAAAAAAAkUAAAAAQAAABQAAAAUAAAAFAAAAAEAAAAAAAAAZAAAAGQAAAAAAAAAZAAAAGQAAAAVAAAAYAAAAAAAAAAAAAAADwAAACADAAAAAAAAAAAAAAEAAACgMgAAVgcAAKr4//8BAAAAf39/AAEAAABkAAAAAAAAABQAAABAHwAAAAAAACYAAAAAAAAAwOD//wAAAAAmAAAAZAAAABYAAABMAAAAAAAAAAAAAAAEAAAAAAAAAAEAAACAgIAKAAAAACgAAAAoAAAAZAAAAGQAAAAAAAAAzMzMAAAAAABQAAAAUAAAAGQAAABkAAAAAAAAABcAAAAUAAAAAAAAAAAAAAD/fwAA/38AAAAAAAAJAAAABAAAAE4AbwAMAAAAEAAAAAAAAAAAAAAAAAAAAAAAAAAeAAAAaAAAAAAAAAAAAAAAAAAAAAAAAAAAAAAAECcAABAnAAAAAAAAAAAAAAAAAAAAAAAAAAAAAAAAAAAAAAAAAAAAABQAAAAAAAAAwMD/AAAAAABkAAAAMgAAAAAAAABkAAAAAAAAAH9/fwAKAAAAHwAAAFQAAAAAAAAFAAAAAQAAAAAAAAAAAAAAAAAAAAAAAAAAAAAAAAAAAAAAAAAAAAAAAn9/fwAAAAADzMzMAMDA/wB/f38AAAAAAAAAAAAAAAAAAAAAAAAAAAAhAAAAGAAAABQAAADQAgAAsAEAAHA1AAC4CAAAAAAAACYAAAAIAAAAAAAAAAAAAAA="/>
+                <pr:smNativeData xmlns:pr="smNativeData" val="SMDATA_13_5iCqYxMAAAAlAAAAZAAAAA8BAAAAkAAAAEgAAACQAAAASAAAAAAAAAABAAAAAAAAAAEAAABQAAAAAAAAAAAA4D8AAAAAAADgPwAAAAAAAOA/AAAAAAAA4D8AAAAAAADgPwAAAAAAAOA/AAAAAAAA4D8AAAAAAADgPwAAAAAAAOA/AAAAAAAA4D8CAAAAjAAAAAAAAAAAAAAAu+DjDP///wgAAAAAAAAAAAAAAAAAAAAAAAAAAAAAAAAAAAAAZAAAAAEAAABAAAAAAAAAAAAAAAAAAAAAAAAAAAAAAAAAAAAAAAAAAAAAAAAAAAAAAAAAAAAAAAAAAAAAAAAAAAAAAAAAAAAAAAAAAAAAAAAAAAAAAAAAAAAAAAAAAAAAFAAAADwAAAAAAAAAAAAAAAAAAAkUAAAAAQAAABQAAAAUAAAAFAAAAAEAAAAAAAAAZAAAAGQAAAAAAAAAZAAAAGQAAAAVAAAAYAAAAAAAAAAAAAAADwAAACADAAAAAAAAAAAAAAEAAACgMgAAVgcAAKr4//8BAAAAf39/AAEAAABkAAAAAAAAABQAAABAHwAAAAAAACYAAAAAAAAAwOD//wAAAAAmAAAAZAAAABYAAABMAAAAAAAAAAAAAAAEAAAAAAAAAAEAAACAgIAKAAAAACgAAAAoAAAAZAAAAGQAAAAAAAAAzMzMAAAAAABQAAAAUAAAAGQAAABkAAAAAAAAABcAAAAUAAAAAAAAAAAAAAD/fwAA/38AAAAAAAAJAAAABAAAAE4AbwAMAAAAEAAAAAAAAAAAAAAAAAAAAAAAAAAeAAAAaAAAAAAAAAAAAAAAAAAAAAAAAAAAAAAAECcAABAnAAAAAAAAAAAAAAAAAAAAAAAAAAAAAAAAAAAAAAAAAAAAABQAAAAAAAAAwMD/AAAAAABkAAAAMgAAAAAAAABkAAAAAAAAAH9/fwAKAAAAHwAAAFQAAAAAAAAFAAAAAQAAAAAAAAAAAAAAAAAAAAAAAAAAAAAAAAAAAAAAAAAAAAAAAn9/fwAAAAADzMzMAMDA/wB/f38AAAAAAAAAAAAAAAAAAAAAAAAAAAAhAAAAGAAAABQAAADQAgAAsAEAAHA1AAC4CAAAEAAAACYAAAAIAAAAAAAAAAAAAAA="/>
               </a:ext>
             </a:extLst>
           </p:cNvSpPr>
@@ -851,7 +843,7 @@
             <a:spLocks noGrp="1" noChangeArrowheads="1"/>
             <a:extLst>
               <a:ext uri="smNativeData">
-                <pr:smNativeData xmlns:pr="smNativeData" val="SMDATA_13_9MGoYxMAAAAlAAAAZAAAAA8BAAAAkAAAAEgAAACQAAAASAAAAAAAAAAAAAAAAAAAAAEAAABQAAAAAAAAAAAA4D8AAAAAAADgPwAAAAAAAOA/AAAAAAAA4D8AAAAAAADgPwAAAAAAAOA/AAAAAAAA4D8AAAAAAADgPwAAAAAAAOA/AAAAAAAA4D8CAAAAjAAAAAAAAAAAAAAAu+DjDP///wgAAAAAAAAAAAAAAAAAAAAAAAAAAAAAAAAAAAAAZAAAAAEAAABAAAAAAAAAAAAAAAAAAAAAAAAAAAAAAAAAAAAAAAAAAAAAAAAAAAAAAAAAAAAAAAAAAAAAAAAAAAAAAAAAAAAAAAAAAAAAAAAAAAAAAAAAAAAAAAAAAAAAFAAAADwAAAAAAAAAAAAAAAAAAAkUAAAAAQAAABQAAAAUAAAAFAAAAAEAAAAAAAAAZAAAAGQAAAAAAAAAZAAAAGQAAAAVAAAAYAAAAAAAAAAAAAAADwAAACADAAAAAAAAAAAAAAEAAACgMgAAVgcAAKr4//8BAAAAf39/AAEAAABkAAAAAAAAABQAAABAHwAAAAAAACYAAAAAAAAAwOD//wAAAAAmAAAAZAAAABYAAABMAAAAAAAAAAAAAAAEAAAAAAAAAAEAAACAgIAKAAAAACgAAAAoAAAAZAAAAGQAAAAAAAAAzMzMAAAAAABQAAAAUAAAAGQAAABkAAAAAAAAABcAAAAUAAAAAAAAAAAAAAD/fwAA/38AAAAAAAAJAAAABAAAAAAAAAAMAAAAEAAAAAAAAAAAAAAAAAAAAAAAAAAeAAAAaAAAAAAAAAAAAAAAAAAAAAAAAAAAAAAAECcAABAnAAAAAAAAAAAAAAAAAAAAAAAAAAAAAAAAAAAAAAAAAAAAABQAAAAAAAAAwMD/AAAAAABkAAAAMgAAAAAAAABkAAAAAAAAAH9/fwAKAAAAHwAAAFQAAAAAAAAFAAAAAQAAAAAAAAAAAAAAAAAAAAAAAAAAAAAAAAAAAAAAAAAAAAAAAn9/fwAAAAADzMzMAMDA/wB/f38AAAAAAAAAAAAAAAAAAAAAAAAAAAAhAAAAGAAAABQAAADQAgAA2AkAAHA1AACwJQAAAAAAACYAAAAIAAAAAAAAAAAAAAA="/>
+                <pr:smNativeData xmlns:pr="smNativeData" val="SMDATA_13_5iCqYxMAAAAlAAAAZAAAAA8BAAAAkAAAAEgAAACQAAAASAAAAAAAAAAAAAAAAAAAAAEAAABQAAAAAAAAAAAA4D8AAAAAAADgPwAAAAAAAOA/AAAAAAAA4D8AAAAAAADgPwAAAAAAAOA/AAAAAAAA4D8AAAAAAADgPwAAAAAAAOA/AAAAAAAA4D8CAAAAjAAAAAAAAAAAAAAAu+DjDP///wgAAAAAAAAAAAAAAAAAAAAAAAAAAAAAAAAAAAAAZAAAAAEAAABAAAAAAAAAAAAAAAAAAAAAAAAAAAAAAAAAAAAAAAAAAAAAAAAAAAAAAAAAAAAAAAAAAAAAAAAAAAAAAAAAAAAAAAAAAAAAAAAAAAAAAAAAAAAAAAAAAAAAFAAAADwAAAAAAAAAAAAAAAAAAAkUAAAAAQAAABQAAAAUAAAAFAAAAAEAAAAAAAAAZAAAAGQAAAAAAAAAZAAAAGQAAAAVAAAAYAAAAAAAAAAAAAAADwAAACADAAAAAAAAAAAAAAEAAACgMgAAVgcAAKr4//8BAAAAf39/AAEAAABkAAAAAAAAABQAAABAHwAAAAAAACYAAAAAAAAAwOD//wAAAAAmAAAAZAAAABYAAABMAAAAAAAAAAAAAAAEAAAAAAAAAAEAAACAgIAKAAAAACgAAAAoAAAAZAAAAGQAAAAAAAAAzMzMAAAAAABQAAAAUAAAAGQAAABkAAAAAAAAABcAAAAUAAAAAAAAAAAAAAD/fwAA/38AAAAAAAAJAAAABAAAAAAAAAAMAAAAEAAAAAAAAAAAAAAAAAAAAAAAAAAeAAAAaAAAAAAAAAAAAAAAAAAAAAAAAAAAAAAAECcAABAnAAAAAAAAAAAAAAAAAAAAAAAAAAAAAAAAAAAAAAAAAAAAABQAAAAAAAAAwMD/AAAAAABkAAAAMgAAAAAAAABkAAAAAAAAAH9/fwAKAAAAHwAAAFQAAAAAAAAFAAAAAQAAAAAAAAAAAAAAAAAAAAAAAAAAAAAAAAAAAAAAAAAAAAAAAn9/fwAAAAADzMzMAMDA/wB/f38AAAAAAAAAAAAAAAAAAAAAAAAAAAAhAAAAGAAAABQAAADQAgAA2AkAAHA1AACwJQAAEAAAACYAAAAIAAAAAAAAAAAAAAA="/>
               </a:ext>
             </a:extLst>
           </p:cNvSpPr>
@@ -902,7 +894,7 @@
             <a:spLocks noGrp="1" noChangeArrowheads="1"/>
             <a:extLst>
               <a:ext uri="smNativeData">
-                <pr:smNativeData xmlns:pr="smNativeData" val="SMDATA_13_9MGoYxMAAAAlAAAAZAAAAA8BAAAAkAAAAEgAAACQAAAASAAAAAAAAAABAAAAAAAAAAEAAABQAAAAAAAAAAAA4D8AAAAAAADgPwAAAAAAAOA/AAAAAAAA4D8AAAAAAADgPwAAAAAAAOA/AAAAAAAA4D8AAAAAAADgPwAAAAAAAOA/AAAAAAAA4D8CAAAAjAAAAAAAAAAAAAAAu+DjDP///wgAAAAAAAAAAAAAAAAAAAAAAAAAAAAAAAAAAAAAZAAAAAEAAABAAAAAAAAAAAAAAAAAAAAAAAAAAAAAAAAAAAAAAAAAAAAAAAAAAAAAAAAAAAAAAAAAAAAAAAAAAAAAAAAAAAAAAAAAAAAAAAAAAAAAAAAAAAAAAAAAAAAAFAAAADwAAAAAAAAAAAAAAAAAAAkUAAAAAQAAABQAAAAUAAAAFAAAAAEAAAAAAAAAZAAAAGQAAAAAAAAAZAAAAGQAAAAVAAAAYAAAAAAAAAAAAAAADwAAACADAAAAAAAAAAAAAAEAAACgMgAAVgcAAKr4//8BAAAAf39/AAEAAABkAAAAAAAAABQAAABAHwAAAAAAACYAAAAAAAAAwOD//wAAAAAmAAAAZAAAABYAAABMAAAAAAAAAAAAAAAEAAAAAAAAAAEAAACAgIAKAAAAACgAAAAoAAAAZAAAAGQAAAAAAAAAzMzMAAAAAABQAAAAUAAAAGQAAABkAAAAAAAAABcAAAAUAAAAAAAAAAAAAAD/fwAA/38AAAAAAAAJAAAABAAAAFwAQwAMAAAAEAAAAAAAAAAAAAAAAAAAAAAAAAAeAAAAaAAAAAAAAAAAAAAAAAAAAAAAAAAAAAAAECcAABAnAAAAAAAAAAAAAAAAAAAAAAAAAAAAAAAAAAAAAAAAAAAAABQAAAAAAAAAwMD/AAAAAABkAAAAMgAAAAAAAABkAAAAAAAAAH9/fwAKAAAAHwAAAFQAAAAAAAAFAAAAAQAAAAAAAAAAAAAAAAAAAAAAAAAAAAAAAAAAAAAAAAAAAAAAAn9/fwAAAAADzMzMAMDA/wB/f38AAAAAAAAAAAAAAAAAAAAAAAAAAAAhAAAAGAAAABQAAADQAgAAGycAAPAPAABZKQAAAAAAACYAAAAIAAAAAAAAAAAAAAA="/>
+                <pr:smNativeData xmlns:pr="smNativeData" val="SMDATA_13_5iCqYxMAAAAlAAAAZAAAAA8BAAAAkAAAAEgAAACQAAAASAAAAAAAAAABAAAAAAAAAAEAAABQAAAAAAAAAAAA4D8AAAAAAADgPwAAAAAAAOA/AAAAAAAA4D8AAAAAAADgPwAAAAAAAOA/AAAAAAAA4D8AAAAAAADgPwAAAAAAAOA/AAAAAAAA4D8CAAAAjAAAAAAAAAAAAAAAu+DjDP///wgAAAAAAAAAAAAAAAAAAAAAAAAAAAAAAAAAAAAAZAAAAAEAAABAAAAAAAAAAAAAAAAAAAAAAAAAAAAAAAAAAAAAAAAAAAAAAAAAAAAAAAAAAAAAAAAAAAAAAAAAAAAAAAAAAAAAAAAAAAAAAAAAAAAAAAAAAAAAAAAAAAAAFAAAADwAAAAAAAAAAAAAAAAAAAkUAAAAAQAAABQAAAAUAAAAFAAAAAEAAAAAAAAAZAAAAGQAAAAAAAAAZAAAAGQAAAAVAAAAYAAAAAAAAAAAAAAADwAAACADAAAAAAAAAAAAAAEAAACgMgAAVgcAAKr4//8BAAAAf39/AAEAAABkAAAAAAAAABQAAABAHwAAAAAAACYAAAAAAAAAwOD//wAAAAAmAAAAZAAAABYAAABMAAAAAAAAAAAAAAAEAAAAAAAAAAEAAACAgIAKAAAAACgAAAAoAAAAZAAAAGQAAAAAAAAAzMzMAAAAAABQAAAAUAAAAGQAAABkAAAAAAAAABcAAAAUAAAAAAAAAAAAAAD/fwAA/38AAAAAAAAJAAAABAAAAFwAQwAMAAAAEAAAAAAAAAAAAAAAAAAAAAAAAAAeAAAAaAAAAAAAAAAAAAAAAAAAAAAAAAAAAAAAECcAABAnAAAAAAAAAAAAAAAAAAAAAAAAAAAAAAAAAAAAAAAAAAAAABQAAAAAAAAAwMD/AAAAAABkAAAAMgAAAAAAAABkAAAAAAAAAH9/fwAKAAAAHwAAAFQAAAAAAAAFAAAAAQAAAAAAAAAAAAAAAAAAAAAAAAAAAAAAAAAAAAAAAAAAAAAAAn9/fwAAAAADzMzMAMDA/wB/f38AAAAAAAAAAAAAAAAAAAAAAAAAAAAhAAAAGAAAABQAAADQAgAAGycAAPAPAABZKQAAEAAAACYAAAAIAAAAAAAAAAAAAAA="/>
               </a:ext>
             </a:extLst>
           </p:cNvSpPr>
@@ -916,7 +908,7 @@
           <a:lstStyle/>
           <a:p>
             <a:pPr/>
-            <a:fld id="{2BE44A24-6AC6-B1BC-885C-9CE904127EC9}" type="datetime1">
+            <a:fld id="{2683B586-C8CB-D643-853B-3E16FB75736B}" type="datetime1">
               <a:t/>
             </a:fld>
           </a:p>
@@ -929,7 +921,7 @@
             <a:spLocks noGrp="1" noChangeArrowheads="1"/>
             <a:extLst>
               <a:ext uri="smNativeData">
-                <pr:smNativeData xmlns:pr="smNativeData" val="SMDATA_13_9MGoYxMAAAAlAAAAZAAAAA8BAAAAkAAAAEgAAACQAAAASAAAAAAAAAABAAAAAAAAAAEAAABQAAAAAAAAAAAA4D8AAAAAAADgPwAAAAAAAOA/AAAAAAAA4D8AAAAAAADgPwAAAAAAAOA/AAAAAAAA4D8AAAAAAADgPwAAAAAAAOA/AAAAAAAA4D8CAAAAjAAAAAAAAAAAAAAAu+DjDP///wgAAAAAAAAAAAAAAAAAAAAAAAAAAAAAAAAAAAAAZAAAAAEAAABAAAAAAAAAAAAAAAAAAAAAAAAAAAAAAAAAAAAAAAAAAAAAAAAAAAAAAAAAAAAAAAAAAAAAAAAAAAAAAAAAAAAAAAAAAAAAAAAAAAAAAAAAAAAAAAAAAAAAFAAAADwAAAAAAAAAAAAAAAAAAAkUAAAAAQAAABQAAAAUAAAAFAAAAAEAAAAAAAAAZAAAAGQAAAAAAAAAZAAAAGQAAAAVAAAAYAAAAAAAAAAAAAAADwAAACADAAAAAAAAAAAAAAEAAACgMgAAVgcAAKr4//8BAAAAf39/AAEAAABkAAAAAAAAABQAAABAHwAAAAAAACYAAAAAAAAAwOD//wAAAAAmAAAAZAAAABYAAABMAAAAAAAAAAAAAAAEAAAAAAAAAAEAAACAgIAKAAAAACgAAAAoAAAAZAAAAGQAAAAAAAAAzMzMAAAAAABQAAAAUAAAAGQAAABkAAAAAAAAABcAAAAUAAAAAAAAAAAAAAD/fwAA/38AAAAAAAAJAAAABAAAAElJSf8MAAAAEAAAAAAAAAAAAAAAAAAAAAAAAAAeAAAAaAAAAAAAAAAAAAAAAAAAAAAAAAAAAAAAECcAABAnAAAAAAAAAAAAAAAAAAAAAAAAAAAAAAAAAAAAAAAAAAAAABQAAAAAAAAAwMD/AAAAAABkAAAAMgAAAAAAAABkAAAAAAAAAH9/fwAKAAAAHwAAAFQAAAAAAAAFAAAAAQAAAAAAAAAAAAAAAAAAAAAAAAAAAAAAAAAAAAAAAAAAAAAAAn9/fwAAAAADzMzMAMDA/wB/f38AAAAAAAAAAAAAAAAAAAAAAAAAAAAhAAAAGAAAABQAAAA4EwAAGycAAAglAABZKQAAAAAAACYAAAAIAAAAAAAAAAAAAAA="/>
+                <pr:smNativeData xmlns:pr="smNativeData" val="SMDATA_13_5iCqYxMAAAAlAAAAZAAAAA8BAAAAkAAAAEgAAACQAAAASAAAAAAAAAABAAAAAAAAAAEAAABQAAAAAAAAAAAA4D8AAAAAAADgPwAAAAAAAOA/AAAAAAAA4D8AAAAAAADgPwAAAAAAAOA/AAAAAAAA4D8AAAAAAADgPwAAAAAAAOA/AAAAAAAA4D8CAAAAjAAAAAAAAAAAAAAAu+DjDP///wgAAAAAAAAAAAAAAAAAAAAAAAAAAAAAAAAAAAAAZAAAAAEAAABAAAAAAAAAAAAAAAAAAAAAAAAAAAAAAAAAAAAAAAAAAAAAAAAAAAAAAAAAAAAAAAAAAAAAAAAAAAAAAAAAAAAAAAAAAAAAAAAAAAAAAAAAAAAAAAAAAAAAFAAAADwAAAAAAAAAAAAAAAAAAAkUAAAAAQAAABQAAAAUAAAAFAAAAAEAAAAAAAAAZAAAAGQAAAAAAAAAZAAAAGQAAAAVAAAAYAAAAAAAAAAAAAAADwAAACADAAAAAAAAAAAAAAEAAACgMgAAVgcAAKr4//8BAAAAf39/AAEAAABkAAAAAAAAABQAAABAHwAAAAAAACYAAAAAAAAAwOD//wAAAAAmAAAAZAAAABYAAABMAAAAAAAAAAAAAAAEAAAAAAAAAAEAAACAgIAKAAAAACgAAAAoAAAAZAAAAGQAAAAAAAAAzMzMAAAAAABQAAAAUAAAAGQAAABkAAAAAAAAABcAAAAUAAAAAAAAAAAAAAD/fwAA/38AAAAAAAAJAAAABAAAAElJSf8MAAAAEAAAAAAAAAAAAAAAAAAAAAAAAAAeAAAAaAAAAAAAAAAAAAAAAAAAAAAAAAAAAAAAECcAABAnAAAAAAAAAAAAAAAAAAAAAAAAAAAAAAAAAAAAAAAAAAAAABQAAAAAAAAAwMD/AAAAAABkAAAAMgAAAAAAAABkAAAAAAAAAH9/fwAKAAAAHwAAAFQAAAAAAAAFAAAAAQAAAAAAAAAAAAAAAAAAAAAAAAAAAAAAAAAAAAAAAAAAAAAAAn9/fwAAAAADzMzMAMDA/wB/f38AAAAAAAAAAAAAAAAAAAAAAAAAAAAhAAAAGAAAABQAAAA4EwAAGycAAAglAABZKQAAEAAAACYAAAAIAAAAAAAAAAAAAAA="/>
               </a:ext>
             </a:extLst>
           </p:cNvSpPr>
@@ -943,9 +935,6 @@
           <a:lstStyle/>
           <a:p>
             <a:pPr/>
-            <a:r>
-              <a:t/>
-            </a:r>
           </a:p>
         </p:txBody>
       </p:sp>
@@ -956,7 +945,7 @@
             <a:spLocks noGrp="1" noChangeArrowheads="1"/>
             <a:extLst>
               <a:ext uri="smNativeData">
-                <pr:smNativeData xmlns:pr="smNativeData" val="SMDATA_13_9MGoYxMAAAAlAAAAZAAAAA8BAAAAkAAAAEgAAACQAAAASAAAAAAAAAABAAAAAAAAAAEAAABQAAAAAAAAAAAA4D8AAAAAAADgPwAAAAAAAOA/AAAAAAAA4D8AAAAAAADgPwAAAAAAAOA/AAAAAAAA4D8AAAAAAADgPwAAAAAAAOA/AAAAAAAA4D8CAAAAjAAAAAAAAAAAAAAAu+DjDP///wgAAAAAAAAAAAAAAAAAAAAAAAAAAAAAAAAAAAAAZAAAAAEAAABAAAAAAAAAAAAAAAAAAAAAAAAAAAAAAAAAAAAAAAAAAAAAAAAAAAAAAAAAAAAAAAAAAAAAAAAAAAAAAAAAAAAAAAAAAAAAAAAAAAAAAAAAAAAAAAAAAAAAFAAAADwAAAAAAAAAAAAAAAAAAAkUAAAAAQAAABQAAAAUAAAAFAAAAAEAAAAAAAAAZAAAAGQAAAAAAAAAZAAAAGQAAAAVAAAAYAAAAAAAAAAAAAAADwAAACADAAAAAAAAAAAAAAEAAACgMgAAVgcAAKr4//8BAAAAf39/AAEAAABkAAAAAAAAABQAAABAHwAAAAAAACYAAAAAAAAAwOD//wAAAAAmAAAAZAAAABYAAABMAAAAAAAAAAAAAAAEAAAAAAAAAAEAAACAgIAKAAAAACgAAAAoAAAAZAAAAGQAAAAAAAAAzMzMAAAAAABQAAAAUAAAAGQAAABkAAAAAAAAABcAAAAUAAAAAAAAAAAAAAD/fwAA/38AAAAAAAAJAAAABAAAAAAAAAAMAAAAEAAAAAAAAAAAAAAAAAAAAAAAAAAeAAAAaAAAAAAAAAAAAAAAAAAAAAAAAAAAAAAAECcAABAnAAAAAAAAAAAAAAAAAAAAAAAAAAAAAAAAAAAAAAAAAAAAABQAAAAAAAAAwMD/AAAAAABkAAAAMgAAAAAAAABkAAAAAAAAAH9/fwAKAAAAHwAAAFQAAAAAAAAFAAAAAQAAAAAAAAAAAAAAAAAAAAAAAAAAAAAAAAAAAAAAAAAAAAAAAn9/fwAAAAADzMzMAMDA/wB/f38AAAAAAAAAAAAAAAAAAAAAAAAAAAAhAAAAGAAAABQAAABQKAAAGycAAHA1AABZKQAAAAAAACYAAAAIAAAAAAAAAAAAAAA="/>
+                <pr:smNativeData xmlns:pr="smNativeData" val="SMDATA_13_5iCqYxMAAAAlAAAAZAAAAA8BAAAAkAAAAEgAAACQAAAASAAAAAAAAAABAAAAAAAAAAEAAABQAAAAAAAAAAAA4D8AAAAAAADgPwAAAAAAAOA/AAAAAAAA4D8AAAAAAADgPwAAAAAAAOA/AAAAAAAA4D8AAAAAAADgPwAAAAAAAOA/AAAAAAAA4D8CAAAAjAAAAAAAAAAAAAAAu+DjDP///wgAAAAAAAAAAAAAAAAAAAAAAAAAAAAAAAAAAAAAZAAAAAEAAABAAAAAAAAAAAAAAAAAAAAAAAAAAAAAAAAAAAAAAAAAAAAAAAAAAAAAAAAAAAAAAAAAAAAAAAAAAAAAAAAAAAAAAAAAAAAAAAAAAAAAAAAAAAAAAAAAAAAAFAAAADwAAAAAAAAAAAAAAAAAAAkUAAAAAQAAABQAAAAUAAAAFAAAAAEAAAAAAAAAZAAAAGQAAAAAAAAAZAAAAGQAAAAVAAAAYAAAAAAAAAAAAAAADwAAACADAAAAAAAAAAAAAAEAAACgMgAAVgcAAKr4//8BAAAAf39/AAEAAABkAAAAAAAAABQAAABAHwAAAAAAACYAAAAAAAAAwOD//wAAAAAmAAAAZAAAABYAAABMAAAAAAAAAAAAAAAEAAAAAAAAAAEAAACAgIAKAAAAACgAAAAoAAAAZAAAAGQAAAAAAAAAzMzMAAAAAABQAAAAUAAAAGQAAABkAAAAAAAAABcAAAAUAAAAAAAAAAAAAAD/fwAA/38AAAAAAAAJAAAABAAAAAAAAAAMAAAAEAAAAAAAAAAAAAAAAAAAAAAAAAAeAAAAaAAAAAAAAAAAAAAAAAAAAAAAAAAAAAAAECcAABAnAAAAAAAAAAAAAAAAAAAAAAAAAAAAAAAAAAAAAAAAAAAAABQAAAAAAAAAwMD/AAAAAABkAAAAMgAAAAAAAABkAAAAAAAAAH9/fwAKAAAAHwAAAFQAAAAAAAAFAAAAAQAAAAAAAAAAAAAAAAAAAAAAAAAAAAAAAAAAAAAAAAAAAAAAAn9/fwAAAAADzMzMAMDA/wB/f38AAAAAAAAAAAAAAAAAAAAAAAAAAAAhAAAAGAAAABQAAABQKAAAGycAAHA1AABZKQAAEAAAACYAAAAIAAAAAAAAAAAAAAA="/>
               </a:ext>
             </a:extLst>
           </p:cNvSpPr>
@@ -970,7 +959,7 @@
           <a:lstStyle/>
           <a:p>
             <a:pPr/>
-            <a:fld id="{2BE4466B-25C6-B1B0-885C-D3E508127E86}" type="slidenum">
+            <a:fld id="{26839170-3ECB-D667-853B-C832DF75739D}" type="slidenum">
               <a:t/>
             </a:fld>
           </a:p>
@@ -1008,7 +997,7 @@
             <a:spLocks noGrp="1" noChangeArrowheads="1"/>
             <a:extLst>
               <a:ext uri="smNativeData">
-                <pr:smNativeData xmlns:pr="smNativeData" val="SMDATA_13_9MGoYxMAAAAlAAAAZAAAAA8BAAAAkAAAAEgAAACQAAAASAAAAAAAAAAAAAAAAAAAAAEAAABQAAAAAAAAAAAA4D8AAAAAAADgPwAAAAAAAOA/AAAAAAAA4D8AAAAAAADgPwAAAAAAAOA/AAAAAAAA4D8AAAAAAADgPwAAAAAAAOA/AAAAAAAA4D8CAAAAjAAAAAAAAAAAAAAAu+DjDP///wgAAAAAAAAAAAAAAAAAAAAAAAAAAAAAAAAAAAAAZAAAAAEAAABAAAAAAAAAAAAAAAAAAAAAAAAAAAAAAAAAAAAAAAAAAAAAAAAAAAAAAAAAAAAAAAAAAAAAAAAAAAAAAAAAAAAAAAAAAAAAAAAAAAAAAAAAAAAAAAAAAAAAFAAAADwAAAAAAAAAAAAAAAAAAAkUAAAAAQAAABQAAAAUAAAAFAAAAAEAAAAAAAAAZAAAAGQAAAAAAAAAZAAAAGQAAAAVAAAAYAAAAAAAAAAAAAAADwAAACADAAAAAAAAAAAAAAEAAACgMgAAVgcAAKr4//8BAAAAf39/AAEAAABkAAAAAAAAABQAAABAHwAAAAAAACYAAAAAAAAAwOD//wAAAAAmAAAAZAAAABYAAABMAAAAAAAAAAAAAAAEAAAAAAAAAAEAAACAgIAKAAAAACgAAAAoAAAAZAAAAGQAAAAAAAAAzMzMAAAAAABQAAAAUAAAAGQAAABkAAAAAAAAABcAAAAUAAAAAAAAAAAAAAD/fwAA/38AAAAAAAAJAAAABAAAAAAAAAAMAAAAEAAAAAAAAAAAAAAAAAAAAAAAAAAeAAAAaAAAAAAAAAAAAAAAAAAAAAAAAAAAAAAAECcAABAnAAAAAAAAAAAAAAAAAAAAAAAAAAAAAAAAAAAAAAAAAAAAABQAAAAAAAAAwMD/AAAAAABkAAAAMgAAAAAAAABkAAAAAAAAAH9/fwAKAAAAHwAAAFQAAAAAAAAFAAAAAQAAAAAAAAAAAAAAAAAAAAAAAAAAAAAAAAAAAAAAAAAAAAAAAn9/fwAAAAADzMzMAMDA/wB/f38AAAAAAAAAAAAAAAAAAAAAAAAAAAAhAAAAGAAAABQAAAByBAAAHBsAAEI0AAB9IwAAAAAAACYAAAAIAAAAgYAAAAAAAAA="/>
+                <pr:smNativeData xmlns:pr="smNativeData" val="SMDATA_13_5iCqYxMAAAAlAAAAZAAAAA8BAAAAkAAAAEgAAACQAAAASAAAAAAAAAAAAAAAAAAAAAEAAABQAAAAAAAAAAAA4D8AAAAAAADgPwAAAAAAAOA/AAAAAAAA4D8AAAAAAADgPwAAAAAAAOA/AAAAAAAA4D8AAAAAAADgPwAAAAAAAOA/AAAAAAAA4D8CAAAAjAAAAAAAAAAAAAAAu+DjDP///wgAAAAAAAAAAAAAAAAAAAAAAAAAAAAAAAAAAAAAZAAAAAEAAABAAAAAAAAAAAAAAAAAAAAAAAAAAAAAAAAAAAAAAAAAAAAAAAAAAAAAAAAAAAAAAAAAAAAAAAAAAAAAAAAAAAAAAAAAAAAAAAAAAAAAAAAAAAAAAAAAAAAAFAAAADwAAAAAAAAAAAAAAAAAAAkUAAAAAQAAABQAAAAUAAAAFAAAAAEAAAAAAAAAZAAAAGQAAAAAAAAAZAAAAGQAAAAVAAAAYAAAAAAAAAAAAAAADwAAACADAAAAAAAAAAAAAAEAAACgMgAAVgcAAKr4//8BAAAAf39/AAEAAABkAAAAAAAAABQAAABAHwAAAAAAACYAAAAAAAAAwOD//wAAAAAmAAAAZAAAABYAAABMAAAAAAAAAAAAAAAEAAAAAAAAAAEAAACAgIAKAAAAACgAAAAoAAAAZAAAAGQAAAAAAAAAzMzMAAAAAABQAAAAUAAAAGQAAABkAAAAAAAAABcAAAAUAAAAAAAAAAAAAAD/fwAA/38AAAAAAAAJAAAABAAAAAAAAAAMAAAAEAAAAAAAAAAAAAAAAAAAAAAAAAAeAAAAaAAAAAAAAAAAAAAAAAAAAAAAAAAAAAAAECcAABAnAAAAAAAAAAAAAAAAAAAAAAAAAAAAAAAAAAAAAAAAAAAAABQAAAAAAAAAwMD/AAAAAABkAAAAMgAAAAAAAABkAAAAAAAAAH9/fwAKAAAAHwAAAFQAAAAAAAAFAAAAAQAAAAAAAAAAAAAAAAAAAAAAAAAAAAAAAAAAAAAAAAAAAAAAAn9/fwAAAAADzMzMAMDA/wB/f38AAAAAAAAAAAAAAAAAAAAAAAAAAAAhAAAAGAAAABQAAAByBAAAHBsAAEI0AAB9IwAAEAAAACYAAAAIAAAAgYAAAAAAAAA="/>
               </a:ext>
             </a:extLst>
           </p:cNvSpPr>
@@ -1050,7 +1039,7 @@
             <a:spLocks noGrp="1" noChangeArrowheads="1"/>
             <a:extLst>
               <a:ext uri="smNativeData">
-                <pr:smNativeData xmlns:pr="smNativeData" val="SMDATA_13_9MGoYxMAAAAlAAAAZAAAAA8BAAAAkAAAAEgAAACQAAAASAAAAAAAAAACAAAAAAAAAAEAAABQAAAAAAAAAAAA4D8AAAAAAADgPwAAAAAAAOA/AAAAAAAA4D8AAAAAAADgPwAAAAAAAOA/AAAAAAAA4D8AAAAAAADgPwAAAAAAAOA/AAAAAAAA4D8CAAAAjAAAAAAAAAAAAAAAu+DjDP///wgAAAAAAAAAAAAAAAAAAAAAAAAAAAAAAAAAAAAAZAAAAAEAAABAAAAAAAAAAAAAAAAAAAAAAAAAAAAAAAAAAAAAAAAAAAAAAAAAAAAAAAAAAAAAAAAAAAAAAAAAAAAAAAAAAAAAAAAAAAAAAAAAAAAAAAAAAAAAAAAAAAAAFAAAADwAAAAAAAAAAAAAAAAAAAkUAAAAAQAAABQAAAAUAAAAFAAAAAEAAAAAAAAAZAAAAGQAAAAAAAAAZAAAAGQAAAAVAAAAYAAAAAAAAAAAAAAADwAAACADAAAAAAAAAAAAAAEAAACgMgAAVgcAAKr4//8BAAAAf39/AAEAAABkAAAAAAAAABQAAABAHwAAAAAAACYAAAAAAAAAwOD//wAAAAAmAAAAZAAAABYAAABMAAAAAAAAAAAAAAAEAAAAAAAAAAEAAACAgIAKAAAAACgAAAAoAAAAZAAAAGQAAAAAAAAAzMzMAAAAAABQAAAAUAAAAGQAAABkAAAAAAAAABcAAAAUAAAAAAAAAAAAAAD/fwAA/38AAAAAAAAJAAAABAAAAO3FAwAMAAAAEAAAAAAAAAAAAAAAAAAAAAAAAAAeAAAAaAAAAAAAAAAAAAAAAAAAAAAAAAAAAAAAECcAABAnAAAAAAAAAAAAAAAAAAAAAAAAAAAAAAAAAAAAAAAAAAAAABQAAAAAAAAAwMD/AAAAAABkAAAAMgAAAAAAAABkAAAAAAAAAH9/fwAKAAAAHwAAAFQAAAAAAAAFAAAAAQAAAAAAAAAAAAAAAAAAAAAAAAAAAAAAAAAAAAAAAAAAAAAAAn9/fwAAAAADzMzMAMDA/wB/f38AAAAAAAAAAAAAAAAAAAAAAAAAAAAhAAAAGAAAABQAAAByBAAA4REAAEI0AAAcGwAAAAAAACYAAAAIAAAAgYAAAAAAAAA="/>
+                <pr:smNativeData xmlns:pr="smNativeData" val="SMDATA_13_5iCqYxMAAAAlAAAAZAAAAA8BAAAAkAAAAEgAAACQAAAASAAAAAAAAAACAAAAAAAAAAEAAABQAAAAAAAAAAAA4D8AAAAAAADgPwAAAAAAAOA/AAAAAAAA4D8AAAAAAADgPwAAAAAAAOA/AAAAAAAA4D8AAAAAAADgPwAAAAAAAOA/AAAAAAAA4D8CAAAAjAAAAAAAAAAAAAAAu+DjDP///wgAAAAAAAAAAAAAAAAAAAAAAAAAAAAAAAAAAAAAZAAAAAEAAABAAAAAAAAAAAAAAAAAAAAAAAAAAAAAAAAAAAAAAAAAAAAAAAAAAAAAAAAAAAAAAAAAAAAAAAAAAAAAAAAAAAAAAAAAAAAAAAAAAAAAAAAAAAAAAAAAAAAAFAAAADwAAAAAAAAAAAAAAAAAAAkUAAAAAQAAABQAAAAUAAAAFAAAAAEAAAAAAAAAZAAAAGQAAAAAAAAAZAAAAGQAAAAVAAAAYAAAAAAAAAAAAAAADwAAACADAAAAAAAAAAAAAAEAAACgMgAAVgcAAKr4//8BAAAAf39/AAEAAABkAAAAAAAAABQAAABAHwAAAAAAACYAAAAAAAAAwOD//wAAAAAmAAAAZAAAABYAAABMAAAAAAAAAAAAAAAEAAAAAAAAAAEAAACAgIAKAAAAACgAAAAoAAAAZAAAAGQAAAAAAAAAzMzMAAAAAABQAAAAUAAAAGQAAABkAAAAAAAAABcAAAAUAAAAAAAAAAAAAAD/fwAA/38AAAAAAAAJAAAABAAAAO3FAwAMAAAAEAAAAAAAAAAAAAAAAAAAAAAAAAAeAAAAaAAAAAAAAAAAAAAAAAAAAAAAAAAAAAAAECcAABAnAAAAAAAAAAAAAAAAAAAAAAAAAAAAAAAAAAAAAAAAAAAAABQAAAAAAAAAwMD/AAAAAABkAAAAMgAAAAAAAABkAAAAAAAAAH9/fwAKAAAAHwAAAFQAAAAAAAAFAAAAAQAAAAAAAAAAAAAAAAAAAAAAAAAAAAAAAAAAAAAAAAAAAAAAAn9/fwAAAAADzMzMAMDA/wB/f38AAAAAAAAAAAAAAAAAAAAAAAAAAAAhAAAAGAAAABQAAAByBAAA4REAAEI0AAAcGwAAEAAAACYAAAAIAAAAgYAAAAAAAAA="/>
               </a:ext>
             </a:extLst>
           </p:cNvSpPr>
@@ -1123,7 +1112,7 @@
             <a:spLocks noGrp="1" noChangeArrowheads="1"/>
             <a:extLst>
               <a:ext uri="smNativeData">
-                <pr:smNativeData xmlns:pr="smNativeData" val="SMDATA_13_9MGoYxMAAAAlAAAAZAAAAA8BAAAAkAAAAEgAAACQAAAASAAAAAAAAAABAAAAAAAAAAEAAABQAAAAAAAAAAAA4D8AAAAAAADgPwAAAAAAAOA/AAAAAAAA4D8AAAAAAADgPwAAAAAAAOA/AAAAAAAA4D8AAAAAAADgPwAAAAAAAOA/AAAAAAAA4D8CAAAAjAAAAAAAAAAAAAAAu+DjDP///wgAAAAAAAAAAAAAAAAAAAAAAAAAAAAAAAAAAAAAZAAAAAEAAABAAAAAAAAAAAAAAAAAAAAAAAAAAAAAAAAAAAAAAAAAAAAAAAAAAAAAAAAAAAAAAAAAAAAAAAAAAAAAAAAAAAAAAAAAAAAAAAAAAAAAAAAAAAAAAAAAAAAAFAAAADwAAAAAAAAAAAAAAAAAAAkUAAAAAQAAABQAAAAUAAAAFAAAAAEAAAAAAAAAZAAAAGQAAAAAAAAAZAAAAGQAAAAVAAAAYAAAAAAAAAAAAAAADwAAACADAAAAAAAAAAAAAAEAAACgMgAAVgcAAKr4//8BAAAAf39/AAEAAABkAAAAAAAAABQAAABAHwAAAAAAACYAAAAAAAAAwOD//wAAAAAmAAAAZAAAABYAAABMAAAAAAAAAAAAAAAEAAAAAAAAAAEAAACAgIAKAAAAACgAAAAoAAAAZAAAAGQAAAAAAAAAzMzMAAAAAABQAAAAUAAAAGQAAABkAAAAAAAAABcAAAAUAAAAAAAAAAAAAAD/fwAA/38AAAAAAAAJAAAABAAAAPBC34oMAAAAEAAAAAAAAAAAAAAAAAAAAAAAAAAeAAAAaAAAAAAAAAAAAAAAAAAAAAAAAAAAAAAAECcAABAnAAAAAAAAAAAAAAAAAAAAAAAAAAAAAAAAAAAAAAAAAAAAABQAAAAAAAAAwMD/AAAAAABkAAAAMgAAAAAAAABkAAAAAAAAAH9/fwAKAAAAHwAAAFQAAAAAAAAFAAAAAQAAAAAAAAAAAAAAAAAAAAAAAAAAAAAAAAAAAAAAAAAAAAAAAn9/fwAAAAADzMzMAMDA/wB/f38AAAAAAAAAAAAAAAAAAAAAAAAAAAAhAAAAGAAAABQAAADQAgAAGycAAPAPAABZKQAAAAAAACYAAAAIAAAAAAAAAAAAAAA="/>
+                <pr:smNativeData xmlns:pr="smNativeData" val="SMDATA_13_5iCqYxMAAAAlAAAAZAAAAA8BAAAAkAAAAEgAAACQAAAASAAAAAAAAAABAAAAAAAAAAEAAABQAAAAAAAAAAAA4D8AAAAAAADgPwAAAAAAAOA/AAAAAAAA4D8AAAAAAADgPwAAAAAAAOA/AAAAAAAA4D8AAAAAAADgPwAAAAAAAOA/AAAAAAAA4D8CAAAAjAAAAAAAAAAAAAAAu+DjDP///wgAAAAAAAAAAAAAAAAAAAAAAAAAAAAAAAAAAAAAZAAAAAEAAABAAAAAAAAAAAAAAAAAAAAAAAAAAAAAAAAAAAAAAAAAAAAAAAAAAAAAAAAAAAAAAAAAAAAAAAAAAAAAAAAAAAAAAAAAAAAAAAAAAAAAAAAAAAAAAAAAAAAAFAAAADwAAAAAAAAAAAAAAAAAAAkUAAAAAQAAABQAAAAUAAAAFAAAAAEAAAAAAAAAZAAAAGQAAAAAAAAAZAAAAGQAAAAVAAAAYAAAAAAAAAAAAAAADwAAACADAAAAAAAAAAAAAAEAAACgMgAAVgcAAKr4//8BAAAAf39/AAEAAABkAAAAAAAAABQAAABAHwAAAAAAACYAAAAAAAAAwOD//wAAAAAmAAAAZAAAABYAAABMAAAAAAAAAAAAAAAEAAAAAAAAAAEAAACAgIAKAAAAACgAAAAoAAAAZAAAAGQAAAAAAAAAzMzMAAAAAABQAAAAUAAAAGQAAABkAAAAAAAAABcAAAAUAAAAAAAAAAAAAAD/fwAA/38AAAAAAAAJAAAABAAAAPBC34oMAAAAEAAAAAAAAAAAAAAAAAAAAAAAAAAeAAAAaAAAAAAAAAAAAAAAAAAAAAAAAAAAAAAAECcAABAnAAAAAAAAAAAAAAAAAAAAAAAAAAAAAAAAAAAAAAAAAAAAABQAAAAAAAAAwMD/AAAAAABkAAAAMgAAAAAAAABkAAAAAAAAAH9/fwAKAAAAHwAAAFQAAAAAAAAFAAAAAQAAAAAAAAAAAAAAAAAAAAAAAAAAAAAAAAAAAAAAAAAAAAAAAn9/fwAAAAADzMzMAMDA/wB/f38AAAAAAAAAAAAAAAAAAAAAAAAAAAAhAAAAGAAAABQAAADQAgAAGycAAPAPAABZKQAAEAAAACYAAAAIAAAAAAAAAAAAAAA="/>
               </a:ext>
             </a:extLst>
           </p:cNvSpPr>
@@ -1137,7 +1126,7 @@
           <a:lstStyle/>
           <a:p>
             <a:pPr/>
-            <a:fld id="{2BE40740-0EC6-B1F1-885C-F8A449127EAD}" type="datetime1">
+            <a:fld id="{2683FD9C-D2CB-D60B-853B-245EB3757371}" type="datetime1">
               <a:t/>
             </a:fld>
           </a:p>
@@ -1150,7 +1139,7 @@
             <a:spLocks noGrp="1" noChangeArrowheads="1"/>
             <a:extLst>
               <a:ext uri="smNativeData">
-                <pr:smNativeData xmlns:pr="smNativeData" val="SMDATA_13_9MGoYxMAAAAlAAAAZAAAAA8BAAAAkAAAAEgAAACQAAAASAAAAAAAAAABAAAAAAAAAAEAAABQAAAAAAAAAAAA4D8AAAAAAADgPwAAAAAAAOA/AAAAAAAA4D8AAAAAAADgPwAAAAAAAOA/AAAAAAAA4D8AAAAAAADgPwAAAAAAAOA/AAAAAAAA4D8CAAAAjAAAAAAAAAAAAAAAu+DjDP///wgAAAAAAAAAAAAAAAAAAAAAAAAAAAAAAAAAAAAAZAAAAAEAAABAAAAAAAAAAAAAAAAAAAAAAAAAAAAAAAAAAAAAAAAAAAAAAAAAAAAAAAAAAAAAAAAAAAAAAAAAAAAAAAAAAAAAAAAAAAAAAAAAAAAAAAAAAAAAAAAAAAAAFAAAADwAAAAAAAAAAAAAAAAAAAkUAAAAAQAAABQAAAAUAAAAFAAAAAEAAAAAAAAAZAAAAGQAAAAAAAAAZAAAAGQAAAAVAAAAYAAAAAAAAAAAAAAADwAAACADAAAAAAAAAAAAAAEAAACgMgAAVgcAAKr4//8BAAAAf39/AAEAAABkAAAAAAAAABQAAABAHwAAAAAAACYAAAAAAAAAwOD//wAAAAAmAAAAZAAAABYAAABMAAAAAAAAAAAAAAAEAAAAAAAAAAEAAACAgIAKAAAAACgAAAAoAAAAZAAAAGQAAAAAAAAAzMzMAAAAAABQAAAAUAAAAGQAAABkAAAAAAAAABcAAAAUAAAAAAAAAAAAAAD/fwAA/38AAAAAAAAJAAAABAAAANMZJUQMAAAAEAAAAAAAAAAAAAAAAAAAAAAAAAAeAAAAaAAAAAAAAAAAAAAAAAAAAAAAAAAAAAAAECcAABAnAAAAAAAAAAAAAAAAAAAAAAAAAAAAAAAAAAAAAAAAAAAAABQAAAAAAAAAwMD/AAAAAABkAAAAMgAAAAAAAABkAAAAAAAAAH9/fwAKAAAAHwAAAFQAAAAAAAAFAAAAAQAAAAAAAAAAAAAAAAAAAAAAAAAAAAAAAAAAAAAAAAAAAAAAAn9/fwAAAAADzMzMAMDA/wB/f38AAAAAAAAAAAAAAAAAAAAAAAAAAAAhAAAAGAAAABQAAAA4EwAAGycAAAglAABZKQAAAAAAACYAAAAIAAAAAAAAAAAAAAA="/>
+                <pr:smNativeData xmlns:pr="smNativeData" val="SMDATA_13_5iCqYxMAAAAlAAAAZAAAAA8BAAAAkAAAAEgAAACQAAAASAAAAAAAAAABAAAAAAAAAAEAAABQAAAAAAAAAAAA4D8AAAAAAADgPwAAAAAAAOA/AAAAAAAA4D8AAAAAAADgPwAAAAAAAOA/AAAAAAAA4D8AAAAAAADgPwAAAAAAAOA/AAAAAAAA4D8CAAAAjAAAAAAAAAAAAAAAu+DjDP///wgAAAAAAAAAAAAAAAAAAAAAAAAAAAAAAAAAAAAAZAAAAAEAAABAAAAAAAAAAAAAAAAAAAAAAAAAAAAAAAAAAAAAAAAAAAAAAAAAAAAAAAAAAAAAAAAAAAAAAAAAAAAAAAAAAAAAAAAAAAAAAAAAAAAAAAAAAAAAAAAAAAAAFAAAADwAAAAAAAAAAAAAAAAAAAkUAAAAAQAAABQAAAAUAAAAFAAAAAEAAAAAAAAAZAAAAGQAAAAAAAAAZAAAAGQAAAAVAAAAYAAAAAAAAAAAAAAADwAAACADAAAAAAAAAAAAAAEAAACgMgAAVgcAAKr4//8BAAAAf39/AAEAAABkAAAAAAAAABQAAABAHwAAAAAAACYAAAAAAAAAwOD//wAAAAAmAAAAZAAAABYAAABMAAAAAAAAAAAAAAAEAAAAAAAAAAEAAACAgIAKAAAAACgAAAAoAAAAZAAAAGQAAAAAAAAAzMzMAAAAAABQAAAAUAAAAGQAAABkAAAAAAAAABcAAAAUAAAAAAAAAAAAAAD/fwAA/38AAAAAAAAJAAAABAAAANMZJUQMAAAAEAAAAAAAAAAAAAAAAAAAAAAAAAAeAAAAaAAAAAAAAAAAAAAAAAAAAAAAAAAAAAAAECcAABAnAAAAAAAAAAAAAAAAAAAAAAAAAAAAAAAAAAAAAAAAAAAAABQAAAAAAAAAwMD/AAAAAABkAAAAMgAAAAAAAABkAAAAAAAAAH9/fwAKAAAAHwAAAFQAAAAAAAAFAAAAAQAAAAAAAAAAAAAAAAAAAAAAAAAAAAAAAAAAAAAAAAAAAAAAAn9/fwAAAAADzMzMAMDA/wB/f38AAAAAAAAAAAAAAAAAAAAAAAAAAAAhAAAAGAAAABQAAAA4EwAAGycAAAglAABZKQAAEAAAACYAAAAIAAAAAAAAAAAAAAA="/>
               </a:ext>
             </a:extLst>
           </p:cNvSpPr>
@@ -1164,9 +1153,6 @@
           <a:lstStyle/>
           <a:p>
             <a:pPr/>
-            <a:r>
-              <a:t/>
-            </a:r>
           </a:p>
         </p:txBody>
       </p:sp>
@@ -1177,7 +1163,7 @@
             <a:spLocks noGrp="1" noChangeArrowheads="1"/>
             <a:extLst>
               <a:ext uri="smNativeData">
-                <pr:smNativeData xmlns:pr="smNativeData" val="SMDATA_13_9MGoYxMAAAAlAAAAZAAAAA8BAAAAkAAAAEgAAACQAAAASAAAAAAAAAABAAAAAAAAAAEAAABQAAAAAAAAAAAA4D8AAAAAAADgPwAAAAAAAOA/AAAAAAAA4D8AAAAAAADgPwAAAAAAAOA/AAAAAAAA4D8AAAAAAADgPwAAAAAAAOA/AAAAAAAA4D8CAAAAjAAAAAAAAAAAAAAAu+DjDP///wgAAAAAAAAAAAAAAAAAAAAAAAAAAAAAAAAAAAAAZAAAAAEAAABAAAAAAAAAAAAAAAAAAAAAAAAAAAAAAAAAAAAAAAAAAAAAAAAAAAAAAAAAAAAAAAAAAAAAAAAAAAAAAAAAAAAAAAAAAAAAAAAAAAAAAAAAAAAAAAAAAAAAFAAAADwAAAAAAAAAAAAAAAAAAAkUAAAAAQAAABQAAAAUAAAAFAAAAAEAAAAAAAAAZAAAAGQAAAAAAAAAZAAAAGQAAAAVAAAAYAAAAAAAAAAAAAAADwAAACADAAAAAAAAAAAAAAEAAACgMgAAVgcAAKr4//8BAAAAf39/AAEAAABkAAAAAAAAABQAAABAHwAAAAAAACYAAAAAAAAAwOD//wAAAAAmAAAAZAAAABYAAABMAAAAAAAAAAAAAAAEAAAAAAAAAAEAAACAgIAKAAAAACgAAAAoAAAAZAAAAGQAAAAAAAAAzMzMAAAAAABQAAAAUAAAAGQAAABkAAAAAAAAABcAAAAUAAAAAAAAAAAAAAD/fwAA/38AAAAAAAAJAAAABAAAAPhL+yIMAAAAEAAAAAAAAAAAAAAAAAAAAAAAAAAeAAAAaAAAAAAAAAAAAAAAAAAAAAAAAAAAAAAAECcAABAnAAAAAAAAAAAAAAAAAAAAAAAAAAAAAAAAAAAAAAAAAAAAABQAAAAAAAAAwMD/AAAAAABkAAAAMgAAAAAAAABkAAAAAAAAAH9/fwAKAAAAHwAAAFQAAAAAAAAFAAAAAQAAAAAAAAAAAAAAAAAAAAAAAAAAAAAAAAAAAAAAAAAAAAAAAn9/fwAAAAADzMzMAMDA/wB/f38AAAAAAAAAAAAAAAAAAAAAAAAAAAAhAAAAGAAAABQAAABQKAAAGycAAHA1AABZKQAAAAAAACYAAAAIAAAAAAAAAAAAAAA="/>
+                <pr:smNativeData xmlns:pr="smNativeData" val="SMDATA_13_5iCqYxMAAAAlAAAAZAAAAA8BAAAAkAAAAEgAAACQAAAASAAAAAAAAAABAAAAAAAAAAEAAABQAAAAAAAAAAAA4D8AAAAAAADgPwAAAAAAAOA/AAAAAAAA4D8AAAAAAADgPwAAAAAAAOA/AAAAAAAA4D8AAAAAAADgPwAAAAAAAOA/AAAAAAAA4D8CAAAAjAAAAAAAAAAAAAAAu+DjDP///wgAAAAAAAAAAAAAAAAAAAAAAAAAAAAAAAAAAAAAZAAAAAEAAABAAAAAAAAAAAAAAAAAAAAAAAAAAAAAAAAAAAAAAAAAAAAAAAAAAAAAAAAAAAAAAAAAAAAAAAAAAAAAAAAAAAAAAAAAAAAAAAAAAAAAAAAAAAAAAAAAAAAAFAAAADwAAAAAAAAAAAAAAAAAAAkUAAAAAQAAABQAAAAUAAAAFAAAAAEAAAAAAAAAZAAAAGQAAAAAAAAAZAAAAGQAAAAVAAAAYAAAAAAAAAAAAAAADwAAACADAAAAAAAAAAAAAAEAAACgMgAAVgcAAKr4//8BAAAAf39/AAEAAABkAAAAAAAAABQAAABAHwAAAAAAACYAAAAAAAAAwOD//wAAAAAmAAAAZAAAABYAAABMAAAAAAAAAAAAAAAEAAAAAAAAAAEAAACAgIAKAAAAACgAAAAoAAAAZAAAAGQAAAAAAAAAzMzMAAAAAABQAAAAUAAAAGQAAABkAAAAAAAAABcAAAAUAAAAAAAAAAAAAAD/fwAA/38AAAAAAAAJAAAABAAAAPhL+yIMAAAAEAAAAAAAAAAAAAAAAAAAAAAAAAAeAAAAaAAAAAAAAAAAAAAAAAAAAAAAAAAAAAAAECcAABAnAAAAAAAAAAAAAAAAAAAAAAAAAAAAAAAAAAAAAAAAAAAAABQAAAAAAAAAwMD/AAAAAABkAAAAMgAAAAAAAABkAAAAAAAAAH9/fwAKAAAAHwAAAFQAAAAAAAAFAAAAAQAAAAAAAAAAAAAAAAAAAAAAAAAAAAAAAAAAAAAAAAAAAAAAAn9/fwAAAAADzMzMAMDA/wB/f38AAAAAAAAAAAAAAAAAAAAAAAAAAAAhAAAAGAAAABQAAABQKAAAGycAAHA1AABZKQAAEAAAACYAAAAIAAAAAAAAAAAAAAA="/>
               </a:ext>
             </a:extLst>
           </p:cNvSpPr>
@@ -1191,7 +1177,7 @@
           <a:lstStyle/>
           <a:p>
             <a:pPr/>
-            <a:fld id="{2BE42065-2BC6-B1D6-885C-DD836E127E88}" type="slidenum">
+            <a:fld id="{2683B314-5ACB-D645-853B-AC10FD7573F9}" type="slidenum">
               <a:t/>
             </a:fld>
           </a:p>
@@ -1229,7 +1215,7 @@
             <a:spLocks noGrp="1" noChangeArrowheads="1"/>
             <a:extLst>
               <a:ext uri="smNativeData">
-                <pr:smNativeData xmlns:pr="smNativeData" val="SMDATA_13_9MGoYxMAAAAlAAAAZAAAAA8BAAAAkAAAAEgAAACQAAAASAAAAAAAAAABAAAAAAAAAAEAAABQAAAAAAAAAAAA4D8AAAAAAADgPwAAAAAAAOA/AAAAAAAA4D8AAAAAAADgPwAAAAAAAOA/AAAAAAAA4D8AAAAAAADgPwAAAAAAAOA/AAAAAAAA4D8CAAAAjAAAAAAAAAAAAAAAu+DjDP///wgAAAAAAAAAAAAAAAAAAAAAAAAAAAAAAAAAAAAAZAAAAAEAAABAAAAAAAAAAAAAAAAAAAAAAAAAAAAAAAAAAAAAAAAAAAAAAAAAAAAAAAAAAAAAAAAAAAAAAAAAAAAAAAAAAAAAAAAAAAAAAAAAAAAAAAAAAAAAAAAAAAAAFAAAADwAAAAAAAAAAAAAAAAAAAkUAAAAAQAAABQAAAAUAAAAFAAAAAEAAAAAAAAAZAAAAGQAAAAAAAAAZAAAAGQAAAAVAAAAYAAAAAAAAAAAAAAADwAAACADAAAAAAAAAAAAAAEAAACgMgAAVgcAAKr4//8BAAAAf39/AAEAAABkAAAAAAAAABQAAABAHwAAAAAAACYAAAAAAAAAwOD//wAAAAAmAAAAZAAAABYAAABMAAAAAAAAAAAAAAAEAAAAAAAAAAEAAACAgIAKAAAAACgAAAAoAAAAZAAAAGQAAAAAAAAAzMzMAAAAAABQAAAAUAAAAGQAAABkAAAAAAAAABcAAAAUAAAAAAAAAAAAAAD/fwAA/38AAAAAAAAJAAAABAAAAAMAhj4MAAAAEAAAAAAAAAAAAAAAAAAAAAAAAAAeAAAAaAAAAAAAAAAAAAAAAAAAAAAAAAAAAAAAECcAABAnAAAAAAAAAAAAAAAAAAAAAAAAAAAAAAAAAAAAAAAAAAAAABQAAAAAAAAAwMD/AAAAAABkAAAAMgAAAAAAAABkAAAAAAAAAH9/fwAKAAAAHwAAAFQAAAAAAAAFAAAAAQAAAAAAAAAAAAAAAAAAAAAAAAAAAAAAAAAAAAAAAAAAAAAAAn9/fwAAAAADzMzMAMDA/wB/f38AAAAAAAAAAAAAAAAAAAAAAAAAAAAhAAAAGAAAABQAAADQAgAAsAEAAHA1AAC4CAAAAAAAACYAAAAIAAAAAAAAAAAAAAA="/>
+                <pr:smNativeData xmlns:pr="smNativeData" val="SMDATA_13_5iCqYxMAAAAlAAAAZAAAAA8BAAAAkAAAAEgAAACQAAAASAAAAAAAAAABAAAAAAAAAAEAAABQAAAAAAAAAAAA4D8AAAAAAADgPwAAAAAAAOA/AAAAAAAA4D8AAAAAAADgPwAAAAAAAOA/AAAAAAAA4D8AAAAAAADgPwAAAAAAAOA/AAAAAAAA4D8CAAAAjAAAAAAAAAAAAAAAu+DjDP///wgAAAAAAAAAAAAAAAAAAAAAAAAAAAAAAAAAAAAAZAAAAAEAAABAAAAAAAAAAAAAAAAAAAAAAAAAAAAAAAAAAAAAAAAAAAAAAAAAAAAAAAAAAAAAAAAAAAAAAAAAAAAAAAAAAAAAAAAAAAAAAAAAAAAAAAAAAAAAAAAAAAAAFAAAADwAAAAAAAAAAAAAAAAAAAkUAAAAAQAAABQAAAAUAAAAFAAAAAEAAAAAAAAAZAAAAGQAAAAAAAAAZAAAAGQAAAAVAAAAYAAAAAAAAAAAAAAADwAAACADAAAAAAAAAAAAAAEAAACgMgAAVgcAAKr4//8BAAAAf39/AAEAAABkAAAAAAAAABQAAABAHwAAAAAAACYAAAAAAAAAwOD//wAAAAAmAAAAZAAAABYAAABMAAAAAAAAAAAAAAAEAAAAAAAAAAEAAACAgIAKAAAAACgAAAAoAAAAZAAAAGQAAAAAAAAAzMzMAAAAAABQAAAAUAAAAGQAAABkAAAAAAAAABcAAAAUAAAAAAAAAAAAAAD/fwAA/38AAAAAAAAJAAAABAAAAAMAhj4MAAAAEAAAAAAAAAAAAAAAAAAAAAAAAAAeAAAAaAAAAAAAAAAAAAAAAAAAAAAAAAAAAAAAECcAABAnAAAAAAAAAAAAAAAAAAAAAAAAAAAAAAAAAAAAAAAAAAAAABQAAAAAAAAAwMD/AAAAAABkAAAAMgAAAAAAAABkAAAAAAAAAH9/fwAKAAAAHwAAAFQAAAAAAAAFAAAAAQAAAAAAAAAAAAAAAAAAAAAAAAAAAAAAAAAAAAAAAAAAAAAAAn9/fwAAAAADzMzMAMDA/wB/f38AAAAAAAAAAAAAAAAAAAAAAAAAAAAhAAAAGAAAABQAAADQAgAAsAEAAHA1AAC4CAAAEAAAACYAAAAIAAAAAAAAAAAAAAA="/>
               </a:ext>
             </a:extLst>
           </p:cNvSpPr>
@@ -1256,12 +1242,12 @@
             <a:spLocks noGrp="1" noChangeArrowheads="1"/>
             <a:extLst>
               <a:ext uri="smNativeData">
-                <pr:smNativeData xmlns:pr="smNativeData" val="SMDATA_13_9MGoYxMAAAAlAAAAZAAAAA8BAAAAkAAAAEgAAACQAAAASAAAAAAAAAAAAAAAAAAAAAEAAABQAAAAAAAAAAAA4D8AAAAAAADgPwAAAAAAAOA/AAAAAAAA4D8AAAAAAADgPwAAAAAAAOA/AAAAAAAA4D8AAAAAAADgPwAAAAAAAOA/AAAAAAAA4D8CAAAAjAAAAAAAAAAAAAAAu+DjDP///wgAAAAAAAAAAAAAAAAAAAAAAAAAAAAAAAAAAAAAZAAAAAEAAABAAAAAAAAAAAAAAAAAAAAAAAAAAAAAAAAAAAAAAAAAAAAAAAAAAAAAAAAAAAAAAAAAAAAAAAAAAAAAAAAAAAAAAAAAAAAAAAAAAAAAAAAAAAAAAAAAAAAAFAAAADwAAAAAAAAAAAAAAAAAAAkUAAAAAQAAABQAAAAUAAAAFAAAAAEAAAAAAAAAZAAAAGQAAAAAAAAAZAAAAGQAAAAVAAAAYAAAAAAAAAAAAAAADwAAACADAAAAAAAAAAAAAAEAAACgMgAAVgcAAKr4//8BAAAAf39/AAEAAABkAAAAAAAAABQAAABAHwAAAAAAACYAAAAAAAAAwOD//wAAAAAmAAAAZAAAABYAAABMAAAAAAAAAAAAAAAEAAAAAAAAAAEAAACAgIAKAAAAACgAAAAoAAAAZAAAAGQAAAAAAAAAzMzMAAAAAABQAAAAUAAAAGQAAABkAAAAAAAAABcAAAAUAAAAAAAAAAAAAAD/fwAA/38AAAAAAAAJAAAABAAAAJJH8tUMAAAAEAAAAAAAAAAAAAAAAAAAAAAAAAAeAAAAaAAAAAAAAAAAAAAAAAAAAAAAAAAAAAAAECcAABAnAAAAAAAAAAAAAAAAAAAAAAAAAAAAAAAAAAAAAAAAAAAAABQAAAAAAAAAwMD/AAAAAABkAAAAMgAAAAAAAABkAAAAAAAAAH9/fwAKAAAAHwAAAFQAAAAAAAAFAAAAAQAAAAAAAAAAAAAAAAAAAAAAAAAAAAAAAAAAAAAAAAAAAAAAAn9/fwAAAAADzMzMAMDA/wB/f38AAAAAAAAAAAAAAAAAAAAAAAAAAAAhAAAAGAAAABQAAADQAgAA2AkAAKgbAACwJQAAAAAAACYAAAAIAAAAAYAAAAAAAAA="/>
-              </a:ext>
-            </a:extLst>
-          </p:cNvSpPr>
-          <p:nvPr>
-            <p:ph sz="half" idx="1"/>
+                <pr:smNativeData xmlns:pr="smNativeData" val="SMDATA_13_5iCqYxMAAAAlAAAAZAAAAA8BAAAAkAAAAEgAAACQAAAASAAAAAAAAAAAAAAAAAAAAAEAAABQAAAAAAAAAAAA4D8AAAAAAADgPwAAAAAAAOA/AAAAAAAA4D8AAAAAAADgPwAAAAAAAOA/AAAAAAAA4D8AAAAAAADgPwAAAAAAAOA/AAAAAAAA4D8CAAAAjAAAAAAAAAAAAAAAu+DjDP///wgAAAAAAAAAAAAAAAAAAAAAAAAAAAAAAAAAAAAAZAAAAAEAAABAAAAAAAAAAAAAAAAAAAAAAAAAAAAAAAAAAAAAAAAAAAAAAAAAAAAAAAAAAAAAAAAAAAAAAAAAAAAAAAAAAAAAAAAAAAAAAAAAAAAAAAAAAAAAAAAAAAAAFAAAADwAAAAAAAAAAAAAAAAAAAkUAAAAAQAAABQAAAAUAAAAFAAAAAEAAAAAAAAAZAAAAGQAAAAAAAAAZAAAAGQAAAAVAAAAYAAAAAAAAAAAAAAADwAAACADAAAAAAAAAAAAAAEAAACgMgAAVgcAAKr4//8BAAAAf39/AAEAAABkAAAAAAAAABQAAABAHwAAAAAAACYAAAAAAAAAwOD//wAAAAAmAAAAZAAAABYAAABMAAAAAAAAAAAAAAAEAAAAAAAAAAEAAACAgIAKAAAAACgAAAAoAAAAZAAAAGQAAAAAAAAAzMzMAAAAAABQAAAAUAAAAGQAAABkAAAAAAAAABcAAAAUAAAAAAAAAAAAAAD/fwAA/38AAAAAAAAJAAAABAAAAJJH8tUMAAAAEAAAAAAAAAAAAAAAAAAAAAAAAAAeAAAAaAAAAAAAAAAAAAAAAAAAAAAAAAAAAAAAECcAABAnAAAAAAAAAAAAAAAAAAAAAAAAAAAAAAAAAAAAAAAAAAAAABQAAAAAAAAAwMD/AAAAAABkAAAAMgAAAAAAAABkAAAAAAAAAH9/fwAKAAAAHwAAAFQAAAAAAAAFAAAAAQAAAAAAAAAAAAAAAAAAAAAAAAAAAAAAAAAAAAAAAAAAAAAAAn9/fwAAAAADzMzMAMDA/wB/f38AAAAAAAAAAAAAAAAAAAAAAAAAAAAhAAAAGAAAABQAAADQAgAA2AkAAKgbAACwJQAAEAAAACYAAAAIAAAAAYAAAAAAAAA="/>
+              </a:ext>
+            </a:extLst>
+          </p:cNvSpPr>
+          <p:nvPr>
+            <p:ph idx="1"/>
           </p:nvPr>
         </p:nvSpPr>
         <p:spPr>
@@ -1340,12 +1326,12 @@
             <a:spLocks noGrp="1" noChangeArrowheads="1"/>
             <a:extLst>
               <a:ext uri="smNativeData">
-                <pr:smNativeData xmlns:pr="smNativeData" val="SMDATA_13_9MGoYxMAAAAlAAAAZAAAAA8BAAAAkAAAAEgAAACQAAAASAAAAAAAAAAAAAAAAAAAAAEAAABQAAAAAAAAAAAA4D8AAAAAAADgPwAAAAAAAOA/AAAAAAAA4D8AAAAAAADgPwAAAAAAAOA/AAAAAAAA4D8AAAAAAADgPwAAAAAAAOA/AAAAAAAA4D8CAAAAjAAAAAAAAAAAAAAAu+DjDP///wgAAAAAAAAAAAAAAAAAAAAAAAAAAAAAAAAAAAAAZAAAAAEAAABAAAAAAAAAAAAAAAAAAAAAAAAAAAAAAAAAAAAAAAAAAAAAAAAAAAAAAAAAAAAAAAAAAAAAAAAAAAAAAAAAAAAAAAAAAAAAAAAAAAAAAAAAAAAAAAAAAAAAFAAAADwAAAAAAAAAAAAAAAAAAAkUAAAAAQAAABQAAAAUAAAAFAAAAAEAAAAAAAAAZAAAAGQAAAAAAAAAZAAAAGQAAAAVAAAAYAAAAAAAAAAAAAAADwAAACADAAAAAAAAAAAAAAEAAACgMgAAVgcAAKr4//8BAAAAf39/AAEAAABkAAAAAAAAABQAAABAHwAAAAAAACYAAAAAAAAAwOD//wAAAAAmAAAAZAAAABYAAABMAAAAAAAAAAAAAAAEAAAAAAAAAAEAAACAgIAKAAAAACgAAAAoAAAAZAAAAGQAAAAAAAAAzMzMAAAAAABQAAAAUAAAAGQAAABkAAAAAAAAABcAAAAUAAAAAAAAAAAAAAD/fwAA/38AAAAAAAAJAAAABAAAAO8vAwAMAAAAEAAAAAAAAAAAAAAAAAAAAAAAAAAeAAAAaAAAAAAAAAAAAAAAAAAAAAAAAAAAAAAAECcAABAnAAAAAAAAAAAAAAAAAAAAAAAAAAAAAAAAAAAAAAAAAAAAABQAAAAAAAAAwMD/AAAAAABkAAAAMgAAAAAAAABkAAAAAAAAAH9/fwAKAAAAHwAAAFQAAAAAAAAFAAAAAQAAAAAAAAAAAAAAAAAAAAAAAAAAAAAAAAAAAAAAAAAAAAAAAn9/fwAAAAADzMzMAMDA/wB/f38AAAAAAAAAAAAAAAAAAAAAAAAAAAAhAAAAGAAAABQAAACYHAAA2AkAAHA1AACwJQAAAAAAACYAAAAIAAAAAYAAAAAAAAA="/>
-              </a:ext>
-            </a:extLst>
-          </p:cNvSpPr>
-          <p:nvPr>
-            <p:ph sz="half" idx="2"/>
+                <pr:smNativeData xmlns:pr="smNativeData" val="SMDATA_13_5iCqYxMAAAAlAAAAZAAAAA8BAAAAkAAAAEgAAACQAAAASAAAAAAAAAAAAAAAAAAAAAEAAABQAAAAAAAAAAAA4D8AAAAAAADgPwAAAAAAAOA/AAAAAAAA4D8AAAAAAADgPwAAAAAAAOA/AAAAAAAA4D8AAAAAAADgPwAAAAAAAOA/AAAAAAAA4D8CAAAAjAAAAAAAAAAAAAAAu+DjDP///wgAAAAAAAAAAAAAAAAAAAAAAAAAAAAAAAAAAAAAZAAAAAEAAABAAAAAAAAAAAAAAAAAAAAAAAAAAAAAAAAAAAAAAAAAAAAAAAAAAAAAAAAAAAAAAAAAAAAAAAAAAAAAAAAAAAAAAAAAAAAAAAAAAAAAAAAAAAAAAAAAAAAAFAAAADwAAAAAAAAAAAAAAAAAAAkUAAAAAQAAABQAAAAUAAAAFAAAAAEAAAAAAAAAZAAAAGQAAAAAAAAAZAAAAGQAAAAVAAAAYAAAAAAAAAAAAAAADwAAACADAAAAAAAAAAAAAAEAAACgMgAAVgcAAKr4//8BAAAAf39/AAEAAABkAAAAAAAAABQAAABAHwAAAAAAACYAAAAAAAAAwOD//wAAAAAmAAAAZAAAABYAAABMAAAAAAAAAAAAAAAEAAAAAAAAAAEAAACAgIAKAAAAACgAAAAoAAAAZAAAAGQAAAAAAAAAzMzMAAAAAABQAAAAUAAAAGQAAABkAAAAAAAAABcAAAAUAAAAAAAAAAAAAAD/fwAA/38AAAAAAAAJAAAABAAAAO8vAwAMAAAAEAAAAAAAAAAAAAAAAAAAAAAAAAAeAAAAaAAAAAAAAAAAAAAAAAAAAAAAAAAAAAAAECcAABAnAAAAAAAAAAAAAAAAAAAAAAAAAAAAAAAAAAAAAAAAAAAAABQAAAAAAAAAwMD/AAAAAABkAAAAMgAAAAAAAABkAAAAAAAAAH9/fwAKAAAAHwAAAFQAAAAAAAAFAAAAAQAAAAAAAAAAAAAAAAAAAAAAAAAAAAAAAAAAAAAAAAAAAAAAAn9/fwAAAAADzMzMAMDA/wB/f38AAAAAAAAAAAAAAAAAAAAAAAAAAAAhAAAAGAAAABQAAACYHAAA2AkAAHA1AACwJQAAEAAAACYAAAAIAAAAAYAAAAAAAAA="/>
+              </a:ext>
+            </a:extLst>
+          </p:cNvSpPr>
+          <p:nvPr>
+            <p:ph idx="2"/>
           </p:nvPr>
         </p:nvSpPr>
         <p:spPr>
@@ -1424,7 +1410,7 @@
             <a:spLocks noGrp="1" noChangeArrowheads="1"/>
             <a:extLst>
               <a:ext uri="smNativeData">
-                <pr:smNativeData xmlns:pr="smNativeData" val="SMDATA_13_9MGoYxMAAAAlAAAAZAAAAA8BAAAAkAAAAEgAAACQAAAASAAAAAAAAAABAAAAAAAAAAEAAABQAAAAAAAAAAAA4D8AAAAAAADgPwAAAAAAAOA/AAAAAAAA4D8AAAAAAADgPwAAAAAAAOA/AAAAAAAA4D8AAAAAAADgPwAAAAAAAOA/AAAAAAAA4D8CAAAAjAAAAAAAAAAAAAAAu+DjDP///wgAAAAAAAAAAAAAAAAAAAAAAAAAAAAAAAAAAAAAZAAAAAEAAABAAAAAAAAAAAAAAAAAAAAAAAAAAAAAAAAAAAAAAAAAAAAAAAAAAAAAAAAAAAAAAAAAAAAAAAAAAAAAAAAAAAAAAAAAAAAAAAAAAAAAAAAAAAAAAAAAAAAAFAAAADwAAAAAAAAAAAAAAAAAAAkUAAAAAQAAABQAAAAUAAAAFAAAAAEAAAAAAAAAZAAAAGQAAAAAAAAAZAAAAGQAAAAVAAAAYAAAAAAAAAAAAAAADwAAACADAAAAAAAAAAAAAAEAAACgMgAAVgcAAKr4//8BAAAAf39/AAEAAABkAAAAAAAAABQAAABAHwAAAAAAACYAAAAAAAAAwOD//wAAAAAmAAAAZAAAABYAAABMAAAAAAAAAAAAAAAEAAAAAAAAAAEAAACAgIAKAAAAACgAAAAoAAAAZAAAAGQAAAAAAAAAzMzMAAAAAABQAAAAUAAAAGQAAABkAAAAAAAAABcAAAAUAAAAAAAAAAAAAAD/fwAA/38AAAAAAAAJAAAABAAAAAMAf0oMAAAAEAAAAAAAAAAAAAAAAAAAAAAAAAAeAAAAaAAAAAAAAAAAAAAAAAAAAAAAAAAAAAAAECcAABAnAAAAAAAAAAAAAAAAAAAAAAAAAAAAAAAAAAAAAAAAAAAAABQAAAAAAAAAwMD/AAAAAABkAAAAMgAAAAAAAABkAAAAAAAAAH9/fwAKAAAAHwAAAFQAAAAAAAAFAAAAAQAAAAAAAAAAAAAAAAAAAAAAAAAAAAAAAAAAAAAAAAAAAAAAAn9/fwAAAAADzMzMAMDA/wB/f38AAAAAAAAAAAAAAAAAAAAAAAAAAAAhAAAAGAAAABQAAADQAgAAGycAAPAPAABZKQAAAAAAACYAAAAIAAAAAAAAAAAAAAA="/>
+                <pr:smNativeData xmlns:pr="smNativeData" val="SMDATA_13_5iCqYxMAAAAlAAAAZAAAAA8BAAAAkAAAAEgAAACQAAAASAAAAAAAAAABAAAAAAAAAAEAAABQAAAAAAAAAAAA4D8AAAAAAADgPwAAAAAAAOA/AAAAAAAA4D8AAAAAAADgPwAAAAAAAOA/AAAAAAAA4D8AAAAAAADgPwAAAAAAAOA/AAAAAAAA4D8CAAAAjAAAAAAAAAAAAAAAu+DjDP///wgAAAAAAAAAAAAAAAAAAAAAAAAAAAAAAAAAAAAAZAAAAAEAAABAAAAAAAAAAAAAAAAAAAAAAAAAAAAAAAAAAAAAAAAAAAAAAAAAAAAAAAAAAAAAAAAAAAAAAAAAAAAAAAAAAAAAAAAAAAAAAAAAAAAAAAAAAAAAAAAAAAAAFAAAADwAAAAAAAAAAAAAAAAAAAkUAAAAAQAAABQAAAAUAAAAFAAAAAEAAAAAAAAAZAAAAGQAAAAAAAAAZAAAAGQAAAAVAAAAYAAAAAAAAAAAAAAADwAAACADAAAAAAAAAAAAAAEAAACgMgAAVgcAAKr4//8BAAAAf39/AAEAAABkAAAAAAAAABQAAABAHwAAAAAAACYAAAAAAAAAwOD//wAAAAAmAAAAZAAAABYAAABMAAAAAAAAAAAAAAAEAAAAAAAAAAEAAACAgIAKAAAAACgAAAAoAAAAZAAAAGQAAAAAAAAAzMzMAAAAAABQAAAAUAAAAGQAAABkAAAAAAAAABcAAAAUAAAAAAAAAAAAAAD/fwAA/38AAAAAAAAJAAAABAAAAAMAf0oMAAAAEAAAAAAAAAAAAAAAAAAAAAAAAAAeAAAAaAAAAAAAAAAAAAAAAAAAAAAAAAAAAAAAECcAABAnAAAAAAAAAAAAAAAAAAAAAAAAAAAAAAAAAAAAAAAAAAAAABQAAAAAAAAAwMD/AAAAAABkAAAAMgAAAAAAAABkAAAAAAAAAH9/fwAKAAAAHwAAAFQAAAAAAAAFAAAAAQAAAAAAAAAAAAAAAAAAAAAAAAAAAAAAAAAAAAAAAAAAAAAAAn9/fwAAAAADzMzMAMDA/wB/f38AAAAAAAAAAAAAAAAAAAAAAAAAAAAhAAAAGAAAABQAAADQAgAAGycAAPAPAABZKQAAEAAAACYAAAAIAAAAAAAAAAAAAAA="/>
               </a:ext>
             </a:extLst>
           </p:cNvSpPr>
@@ -1438,7 +1424,7 @@
           <a:lstStyle/>
           <a:p>
             <a:pPr/>
-            <a:fld id="{2BE476F6-B8C6-B180-885C-4ED538127E1B}" type="datetime1">
+            <a:fld id="{2683EF94-DACB-D619-853B-2C4CA1757379}" type="datetime1">
               <a:t/>
             </a:fld>
           </a:p>
@@ -1451,7 +1437,7 @@
             <a:spLocks noGrp="1" noChangeArrowheads="1"/>
             <a:extLst>
               <a:ext uri="smNativeData">
-                <pr:smNativeData xmlns:pr="smNativeData" val="SMDATA_13_9MGoYxMAAAAlAAAAZAAAAA8BAAAAkAAAAEgAAACQAAAASAAAAAAAAAABAAAAAAAAAAEAAABQAAAAAAAAAAAA4D8AAAAAAADgPwAAAAAAAOA/AAAAAAAA4D8AAAAAAADgPwAAAAAAAOA/AAAAAAAA4D8AAAAAAADgPwAAAAAAAOA/AAAAAAAA4D8CAAAAjAAAAAAAAAAAAAAAu+DjDP///wgAAAAAAAAAAAAAAAAAAAAAAAAAAAAAAAAAAAAAZAAAAAEAAABAAAAAAAAAAAAAAAAAAAAAAAAAAAAAAAAAAAAAAAAAAAAAAAAAAAAAAAAAAAAAAAAAAAAAAAAAAAAAAAAAAAAAAAAAAAAAAAAAAAAAAAAAAAAAAAAAAAAAFAAAADwAAAAAAAAAAAAAAAAAAAkUAAAAAQAAABQAAAAUAAAAFAAAAAEAAAAAAAAAZAAAAGQAAAAAAAAAZAAAAGQAAAAVAAAAYAAAAAAAAAAAAAAADwAAACADAAAAAAAAAAAAAAEAAACgMgAAVgcAAKr4//8BAAAAf39/AAEAAABkAAAAAAAAABQAAABAHwAAAAAAACYAAAAAAAAAwOD//wAAAAAmAAAAZAAAABYAAABMAAAAAAAAAAAAAAAEAAAAAAAAAAEAAACAgIAKAAAAACgAAAAoAAAAZAAAAGQAAAAAAAAAzMzMAAAAAABQAAAAUAAAAGQAAABkAAAAAAAAABcAAAAUAAAAAAAAAAAAAAD/fwAA/38AAAAAAAAJAAAABAAAABMRBAAMAAAAEAAAAAAAAAAAAAAAAAAAAAAAAAAeAAAAaAAAAAAAAAAAAAAAAAAAAAAAAAAAAAAAECcAABAnAAAAAAAAAAAAAAAAAAAAAAAAAAAAAAAAAAAAAAAAAAAAABQAAAAAAAAAwMD/AAAAAABkAAAAMgAAAAAAAABkAAAAAAAAAH9/fwAKAAAAHwAAAFQAAAAAAAAFAAAAAQAAAAAAAAAAAAAAAAAAAAAAAAAAAAAAAAAAAAAAAAAAAAAAAn9/fwAAAAADzMzMAMDA/wB/f38AAAAAAAAAAAAAAAAAAAAAAAAAAAAhAAAAGAAAABQAAAA4EwAAGycAAAglAABZKQAAAAAAACYAAAAIAAAAAAAAAAAAAAA="/>
+                <pr:smNativeData xmlns:pr="smNativeData" val="SMDATA_13_5iCqYxMAAAAlAAAAZAAAAA8BAAAAkAAAAEgAAACQAAAASAAAAAAAAAABAAAAAAAAAAEAAABQAAAAAAAAAAAA4D8AAAAAAADgPwAAAAAAAOA/AAAAAAAA4D8AAAAAAADgPwAAAAAAAOA/AAAAAAAA4D8AAAAAAADgPwAAAAAAAOA/AAAAAAAA4D8CAAAAjAAAAAAAAAAAAAAAu+DjDP///wgAAAAAAAAAAAAAAAAAAAAAAAAAAAAAAAAAAAAAZAAAAAEAAABAAAAAAAAAAAAAAAAAAAAAAAAAAAAAAAAAAAAAAAAAAAAAAAAAAAAAAAAAAAAAAAAAAAAAAAAAAAAAAAAAAAAAAAAAAAAAAAAAAAAAAAAAAAAAAAAAAAAAFAAAADwAAAAAAAAAAAAAAAAAAAkUAAAAAQAAABQAAAAUAAAAFAAAAAEAAAAAAAAAZAAAAGQAAAAAAAAAZAAAAGQAAAAVAAAAYAAAAAAAAAAAAAAADwAAACADAAAAAAAAAAAAAAEAAACgMgAAVgcAAKr4//8BAAAAf39/AAEAAABkAAAAAAAAABQAAABAHwAAAAAAACYAAAAAAAAAwOD//wAAAAAmAAAAZAAAABYAAABMAAAAAAAAAAAAAAAEAAAAAAAAAAEAAACAgIAKAAAAACgAAAAoAAAAZAAAAGQAAAAAAAAAzMzMAAAAAABQAAAAUAAAAGQAAABkAAAAAAAAABcAAAAUAAAAAAAAAAAAAAD/fwAA/38AAAAAAAAJAAAABAAAABMRBAAMAAAAEAAAAAAAAAAAAAAAAAAAAAAAAAAeAAAAaAAAAAAAAAAAAAAAAAAAAAAAAAAAAAAAECcAABAnAAAAAAAAAAAAAAAAAAAAAAAAAAAAAAAAAAAAAAAAAAAAABQAAAAAAAAAwMD/AAAAAABkAAAAMgAAAAAAAABkAAAAAAAAAH9/fwAKAAAAHwAAAFQAAAAAAAAFAAAAAQAAAAAAAAAAAAAAAAAAAAAAAAAAAAAAAAAAAAAAAAAAAAAAAn9/fwAAAAADzMzMAMDA/wB/f38AAAAAAAAAAAAAAAAAAAAAAAAAAAAhAAAAGAAAABQAAAA4EwAAGycAAAglAABZKQAAEAAAACYAAAAIAAAAAAAAAAAAAAA="/>
               </a:ext>
             </a:extLst>
           </p:cNvSpPr>
@@ -1465,9 +1451,6 @@
           <a:lstStyle/>
           <a:p>
             <a:pPr/>
-            <a:r>
-              <a:t/>
-            </a:r>
           </a:p>
         </p:txBody>
       </p:sp>
@@ -1478,7 +1461,7 @@
             <a:spLocks noGrp="1" noChangeArrowheads="1"/>
             <a:extLst>
               <a:ext uri="smNativeData">
-                <pr:smNativeData xmlns:pr="smNativeData" val="SMDATA_13_9MGoYxMAAAAlAAAAZAAAAA8BAAAAkAAAAEgAAACQAAAASAAAAAAAAAABAAAAAAAAAAEAAABQAAAAAAAAAAAA4D8AAAAAAADgPwAAAAAAAOA/AAAAAAAA4D8AAAAAAADgPwAAAAAAAOA/AAAAAAAA4D8AAAAAAADgPwAAAAAAAOA/AAAAAAAA4D8CAAAAjAAAAAAAAAAAAAAAu+DjDP///wgAAAAAAAAAAAAAAAAAAAAAAAAAAAAAAAAAAAAAZAAAAAEAAABAAAAAAAAAAAAAAAAAAAAAAAAAAAAAAAAAAAAAAAAAAAAAAAAAAAAAAAAAAAAAAAAAAAAAAAAAAAAAAAAAAAAAAAAAAAAAAAAAAAAAAAAAAAAAAAAAAAAAFAAAADwAAAAAAAAAAAAAAAAAAAkUAAAAAQAAABQAAAAUAAAAFAAAAAEAAAAAAAAAZAAAAGQAAAAAAAAAZAAAAGQAAAAVAAAAYAAAAAAAAAAAAAAADwAAACADAAAAAAAAAAAAAAEAAACgMgAAVgcAAKr4//8BAAAAf39/AAEAAABkAAAAAAAAABQAAABAHwAAAAAAACYAAAAAAAAAwOD//wAAAAAmAAAAZAAAABYAAABMAAAAAAAAAAAAAAAEAAAAAAAAAAEAAACAgIAKAAAAACgAAAAoAAAAZAAAAGQAAAAAAAAAzMzMAAAAAABQAAAAUAAAAGQAAABkAAAAAAAAABcAAAAUAAAAAAAAAAAAAAD/fwAA/38AAAAAAAAJAAAABAAAAL5dAwAMAAAAEAAAAAAAAAAAAAAAAAAAAAAAAAAeAAAAaAAAAAAAAAAAAAAAAAAAAAAAAAAAAAAAECcAABAnAAAAAAAAAAAAAAAAAAAAAAAAAAAAAAAAAAAAAAAAAAAAABQAAAAAAAAAwMD/AAAAAABkAAAAMgAAAAAAAABkAAAAAAAAAH9/fwAKAAAAHwAAAFQAAAAAAAAFAAAAAQAAAAAAAAAAAAAAAAAAAAAAAAAAAAAAAAAAAAAAAAAAAAAAAn9/fwAAAAADzMzMAMDA/wB/f38AAAAAAAAAAAAAAAAAAAAAAAAAAAAhAAAAGAAAABQAAABQKAAAGycAAHA1AABZKQAAAAAAACYAAAAIAAAAAAAAAAAAAAA="/>
+                <pr:smNativeData xmlns:pr="smNativeData" val="SMDATA_13_5iCqYxMAAAAlAAAAZAAAAA8BAAAAkAAAAEgAAACQAAAASAAAAAAAAAABAAAAAAAAAAEAAABQAAAAAAAAAAAA4D8AAAAAAADgPwAAAAAAAOA/AAAAAAAA4D8AAAAAAADgPwAAAAAAAOA/AAAAAAAA4D8AAAAAAADgPwAAAAAAAOA/AAAAAAAA4D8CAAAAjAAAAAAAAAAAAAAAu+DjDP///wgAAAAAAAAAAAAAAAAAAAAAAAAAAAAAAAAAAAAAZAAAAAEAAABAAAAAAAAAAAAAAAAAAAAAAAAAAAAAAAAAAAAAAAAAAAAAAAAAAAAAAAAAAAAAAAAAAAAAAAAAAAAAAAAAAAAAAAAAAAAAAAAAAAAAAAAAAAAAAAAAAAAAFAAAADwAAAAAAAAAAAAAAAAAAAkUAAAAAQAAABQAAAAUAAAAFAAAAAEAAAAAAAAAZAAAAGQAAAAAAAAAZAAAAGQAAAAVAAAAYAAAAAAAAAAAAAAADwAAACADAAAAAAAAAAAAAAEAAACgMgAAVgcAAKr4//8BAAAAf39/AAEAAABkAAAAAAAAABQAAABAHwAAAAAAACYAAAAAAAAAwOD//wAAAAAmAAAAZAAAABYAAABMAAAAAAAAAAAAAAAEAAAAAAAAAAEAAACAgIAKAAAAACgAAAAoAAAAZAAAAGQAAAAAAAAAzMzMAAAAAABQAAAAUAAAAGQAAABkAAAAAAAAABcAAAAUAAAAAAAAAAAAAAD/fwAA/38AAAAAAAAJAAAABAAAAL5dAwAMAAAAEAAAAAAAAAAAAAAAAAAAAAAAAAAeAAAAaAAAAAAAAAAAAAAAAAAAAAAAAAAAAAAAECcAABAnAAAAAAAAAAAAAAAAAAAAAAAAAAAAAAAAAAAAAAAAAAAAABQAAAAAAAAAwMD/AAAAAABkAAAAMgAAAAAAAABkAAAAAAAAAH9/fwAKAAAAHwAAAFQAAAAAAAAFAAAAAQAAAAAAAAAAAAAAAAAAAAAAAAAAAAAAAAAAAAAAAAAAAAAAAn9/fwAAAAADzMzMAMDA/wB/f38AAAAAAAAAAAAAAAAAAAAAAAAAAAAhAAAAGAAAABQAAABQKAAAGycAAHA1AABZKQAAEAAAACYAAAAIAAAAAAAAAAAAAAA="/>
               </a:ext>
             </a:extLst>
           </p:cNvSpPr>
@@ -1492,7 +1475,7 @@
           <a:lstStyle/>
           <a:p>
             <a:pPr/>
-            <a:fld id="{2BE40B82-CCC6-B1FD-885C-3AA845127E6F}" type="slidenum">
+            <a:fld id="{2683B8AE-E0CB-D64E-853B-161BF6757343}" type="slidenum">
               <a:t/>
             </a:fld>
           </a:p>
@@ -1530,7 +1513,7 @@
             <a:spLocks noGrp="1" noChangeArrowheads="1"/>
             <a:extLst>
               <a:ext uri="smNativeData">
-                <pr:smNativeData xmlns:pr="smNativeData" val="SMDATA_13_9MGoYxMAAAAlAAAAZAAAAA8BAAAAkAAAAEgAAACQAAAASAAAAAAAAAABAAAAAAAAAAEAAABQAAAAAAAAAAAA4D8AAAAAAADgPwAAAAAAAOA/AAAAAAAA4D8AAAAAAADgPwAAAAAAAOA/AAAAAAAA4D8AAAAAAADgPwAAAAAAAOA/AAAAAAAA4D8CAAAAjAAAAAAAAAAAAAAAu+DjDP///wgAAAAAAAAAAAAAAAAAAAAAAAAAAAAAAAAAAAAAZAAAAAEAAABAAAAAAAAAAAAAAAAAAAAAAAAAAAAAAAAAAAAAAAAAAAAAAAAAAAAAAAAAAAAAAAAAAAAAAAAAAAAAAAAAAAAAAAAAAAAAAAAAAAAAAAAAAAAAAAAAAAAAFAAAADwAAAAAAAAAAAAAAAAAAAkUAAAAAQAAABQAAAAUAAAAFAAAAAEAAAAAAAAAZAAAAGQAAAAAAAAAZAAAAGQAAAAVAAAAYAAAAAAAAAAAAAAADwAAACADAAAAAAAAAAAAAAEAAACgMgAAVgcAAKr4//8BAAAAf39/AAEAAABkAAAAAAAAABQAAABAHwAAAAAAACYAAAAAAAAAwOD//wAAAAAmAAAAZAAAABYAAABMAAAAAAAAAAAAAAAEAAAAAAAAAAEAAACAgIAKAAAAACgAAAAoAAAAZAAAAGQAAAAAAAAAzMzMAAAAAABQAAAAUAAAAGQAAABkAAAAAAAAABcAAAAUAAAAAAAAAAAAAAD/fwAA/38AAAAAAAAJAAAABAAAAAQAxWgMAAAAEAAAAAAAAAAAAAAAAAAAAAAAAAAeAAAAaAAAAAAAAAAAAAAAAAAAAAAAAAAAAAAAECcAABAnAAAAAAAAAAAAAAAAAAAAAAAAAAAAAAAAAAAAAAAAAAAAABQAAAAAAAAAwMD/AAAAAABkAAAAMgAAAAAAAABkAAAAAAAAAH9/fwAKAAAAHwAAAFQAAAAAAAAFAAAAAQAAAAAAAAAAAAAAAAAAAAAAAAAAAAAAAAAAAAAAAAAAAAAAAn9/fwAAAAADzMzMAMDA/wB/f38AAAAAAAAAAAAAAAAAAAAAAAAAAAAhAAAAGAAAABQAAADQAgAAsAEAAHA1AAC4CAAAAAAAACYAAAAIAAAAAAAAAAAAAAA="/>
+                <pr:smNativeData xmlns:pr="smNativeData" val="SMDATA_13_5iCqYxMAAAAlAAAAZAAAAA8BAAAAkAAAAEgAAACQAAAASAAAAAAAAAABAAAAAAAAAAEAAABQAAAAAAAAAAAA4D8AAAAAAADgPwAAAAAAAOA/AAAAAAAA4D8AAAAAAADgPwAAAAAAAOA/AAAAAAAA4D8AAAAAAADgPwAAAAAAAOA/AAAAAAAA4D8CAAAAjAAAAAAAAAAAAAAAu+DjDP///wgAAAAAAAAAAAAAAAAAAAAAAAAAAAAAAAAAAAAAZAAAAAEAAABAAAAAAAAAAAAAAAAAAAAAAAAAAAAAAAAAAAAAAAAAAAAAAAAAAAAAAAAAAAAAAAAAAAAAAAAAAAAAAAAAAAAAAAAAAAAAAAAAAAAAAAAAAAAAAAAAAAAAFAAAADwAAAAAAAAAAAAAAAAAAAkUAAAAAQAAABQAAAAUAAAAFAAAAAEAAAAAAAAAZAAAAGQAAAAAAAAAZAAAAGQAAAAVAAAAYAAAAAAAAAAAAAAADwAAACADAAAAAAAAAAAAAAEAAACgMgAAVgcAAKr4//8BAAAAf39/AAEAAABkAAAAAAAAABQAAABAHwAAAAAAACYAAAAAAAAAwOD//wAAAAAmAAAAZAAAABYAAABMAAAAAAAAAAAAAAAEAAAAAAAAAAEAAACAgIAKAAAAACgAAAAoAAAAZAAAAGQAAAAAAAAAzMzMAAAAAABQAAAAUAAAAGQAAABkAAAAAAAAABcAAAAUAAAAAAAAAAAAAAD/fwAA/38AAAAAAAAJAAAABAAAAAQAxWgMAAAAEAAAAAAAAAAAAAAAAAAAAAAAAAAeAAAAaAAAAAAAAAAAAAAAAAAAAAAAAAAAAAAAECcAABAnAAAAAAAAAAAAAAAAAAAAAAAAAAAAAAAAAAAAAAAAAAAAABQAAAAAAAAAwMD/AAAAAABkAAAAMgAAAAAAAABkAAAAAAAAAH9/fwAKAAAAHwAAAFQAAAAAAAAFAAAAAQAAAAAAAAAAAAAAAAAAAAAAAAAAAAAAAAAAAAAAAAAAAAAAAn9/fwAAAAADzMzMAMDA/wB/f38AAAAAAAAAAAAAAAAAAAAAAAAAAAAhAAAAGAAAABQAAADQAgAAsAEAAHA1AAC4CAAAEAAAACYAAAAIAAAAAAAAAAAAAAA="/>
               </a:ext>
             </a:extLst>
           </p:cNvSpPr>
@@ -1557,7 +1540,7 @@
             <a:spLocks noGrp="1" noChangeArrowheads="1"/>
             <a:extLst>
               <a:ext uri="smNativeData">
-                <pr:smNativeData xmlns:pr="smNativeData" val="SMDATA_13_9MGoYxMAAAAlAAAAZAAAAA8BAAAAkAAAAEgAAACQAAAASAAAAAAAAAACAAAAAAAAAAEAAABQAAAAAAAAAAAA4D8AAAAAAADgPwAAAAAAAOA/AAAAAAAA4D8AAAAAAADgPwAAAAAAAOA/AAAAAAAA4D8AAAAAAADgPwAAAAAAAOA/AAAAAAAA4D8CAAAAjAAAAAAAAAAAAAAAu+DjDP///wgAAAAAAAAAAAAAAAAAAAAAAAAAAAAAAAAAAAAAZAAAAAEAAABAAAAAAAAAAAAAAAAAAAAAAAAAAAAAAAAAAAAAAAAAAAAAAAAAAAAAAAAAAAAAAAAAAAAAAAAAAAAAAAAAAAAAAAAAAAAAAAAAAAAAAAAAAAAAAAAAAAAAFAAAADwAAAAAAAAAAAAAAAAAAAkUAAAAAQAAABQAAAAUAAAAFAAAAAEAAAAAAAAAZAAAAGQAAAAAAAAAZAAAAGQAAAAVAAAAYAAAAAAAAAAAAAAADwAAACADAAAAAAAAAAAAAAEAAACgMgAAVgcAAKr4//8BAAAAf39/AAEAAABkAAAAAAAAABQAAABAHwAAAAAAACYAAAAAAAAAwOD//wAAAAAmAAAAZAAAABYAAABMAAAAAAAAAAAAAAAEAAAAAAAAAAEAAACAgIAKAAAAACgAAAAoAAAAZAAAAGQAAAAAAAAAzMzMAAAAAABQAAAAUAAAAGQAAABkAAAAAAAAABcAAAAUAAAAAAAAAAAAAAD/fwAA/38AAAAAAAAJAAAABAAAAAMAbkEMAAAAEAAAAAAAAAAAAAAAAAAAAAAAAAAeAAAAaAAAAAAAAAAAAAAAAAAAAAAAAAAAAAAAECcAABAnAAAAAAAAAAAAAAAAAAAAAAAAAAAAAAAAAAAAAAAAAAAAABQAAAAAAAAAwMD/AAAAAABkAAAAMgAAAAAAAABkAAAAAAAAAH9/fwAKAAAAHwAAAFQAAAAAAAAFAAAAAQAAAAAAAAAAAAAAAAAAAAAAAAAAAAAAAAAAAAAAAAAAAAAAAn9/fwAAAAADzMzMAMDA/wB/f38AAAAAAAAAAAAAAAAAAAAAAAAAAAAhAAAAGAAAABQAAADQAgAAcQkAAKobAABhDQAAAAAAACYAAAAIAAAAgYAAAAAAAAA="/>
+                <pr:smNativeData xmlns:pr="smNativeData" val="SMDATA_13_5iCqYxMAAAAlAAAAZAAAAA8BAAAAkAAAAEgAAACQAAAASAAAAAAAAAACAAAAAAAAAAEAAABQAAAAAAAAAAAA4D8AAAAAAADgPwAAAAAAAOA/AAAAAAAA4D8AAAAAAADgPwAAAAAAAOA/AAAAAAAA4D8AAAAAAADgPwAAAAAAAOA/AAAAAAAA4D8CAAAAjAAAAAAAAAAAAAAAu+DjDP///wgAAAAAAAAAAAAAAAAAAAAAAAAAAAAAAAAAAAAAZAAAAAEAAABAAAAAAAAAAAAAAAAAAAAAAAAAAAAAAAAAAAAAAAAAAAAAAAAAAAAAAAAAAAAAAAAAAAAAAAAAAAAAAAAAAAAAAAAAAAAAAAAAAAAAAAAAAAAAAAAAAAAAFAAAADwAAAAAAAAAAAAAAAAAAAkUAAAAAQAAABQAAAAUAAAAFAAAAAEAAAAAAAAAZAAAAGQAAAAAAAAAZAAAAGQAAAAVAAAAYAAAAAAAAAAAAAAADwAAACADAAAAAAAAAAAAAAEAAACgMgAAVgcAAKr4//8BAAAAf39/AAEAAABkAAAAAAAAABQAAABAHwAAAAAAACYAAAAAAAAAwOD//wAAAAAmAAAAZAAAABYAAABMAAAAAAAAAAAAAAAEAAAAAAAAAAEAAACAgIAKAAAAACgAAAAoAAAAZAAAAGQAAAAAAAAAzMzMAAAAAABQAAAAUAAAAGQAAABkAAAAAAAAABcAAAAUAAAAAAAAAAAAAAD/fwAA/38AAAAAAAAJAAAABAAAAAMAbkEMAAAAEAAAAAAAAAAAAAAAAAAAAAAAAAAeAAAAaAAAAAAAAAAAAAAAAAAAAAAAAAAAAAAAECcAABAnAAAAAAAAAAAAAAAAAAAAAAAAAAAAAAAAAAAAAAAAAAAAABQAAAAAAAAAwMD/AAAAAABkAAAAMgAAAAAAAABkAAAAAAAAAH9/fwAKAAAAHwAAAFQAAAAAAAAFAAAAAQAAAAAAAAAAAAAAAAAAAAAAAAAAAAAAAAAAAAAAAAAAAAAAAn9/fwAAAAADzMzMAMDA/wB/f38AAAAAAAAAAAAAAAAAAAAAAAAAAAAhAAAAGAAAABQAAADQAgAAcQkAAKobAABhDQAAEAAAACYAAAAIAAAAgYAAAAAAAAA="/>
               </a:ext>
             </a:extLst>
           </p:cNvSpPr>
@@ -1630,12 +1613,12 @@
             <a:spLocks noGrp="1" noChangeArrowheads="1"/>
             <a:extLst>
               <a:ext uri="smNativeData">
-                <pr:smNativeData xmlns:pr="smNativeData" val="SMDATA_13_9MGoYxMAAAAlAAAAZAAAAA8BAAAAkAAAAEgAAACQAAAASAAAAAAAAAAAAAAAAAAAAAEAAABQAAAAAAAAAAAA4D8AAAAAAADgPwAAAAAAAOA/AAAAAAAA4D8AAAAAAADgPwAAAAAAAOA/AAAAAAAA4D8AAAAAAADgPwAAAAAAAOA/AAAAAAAA4D8CAAAAjAAAAAAAAAAAAAAAu+DjDP///wgAAAAAAAAAAAAAAAAAAAAAAAAAAAAAAAAAAAAAZAAAAAEAAABAAAAAAAAAAAAAAAAAAAAAAAAAAAAAAAAAAAAAAAAAAAAAAAAAAAAAAAAAAAAAAAAAAAAAAAAAAAAAAAAAAAAAAAAAAAAAAAAAAAAAAAAAAAAAAAAAAAAAFAAAADwAAAAAAAAAAAAAAAAAAAkUAAAAAQAAABQAAAAUAAAAFAAAAAEAAAAAAAAAZAAAAGQAAAAAAAAAZAAAAGQAAAAVAAAAYAAAAAAAAAAAAAAADwAAACADAAAAAAAAAAAAAAEAAACgMgAAVgcAAKr4//8BAAAAf39/AAEAAABkAAAAAAAAABQAAABAHwAAAAAAACYAAAAAAAAAwOD//wAAAAAmAAAAZAAAABYAAABMAAAAAAAAAAAAAAAEAAAAAAAAAAEAAACAgIAKAAAAACgAAAAoAAAAZAAAAGQAAAAAAAAAzMzMAAAAAABQAAAAUAAAAGQAAABkAAAAAAAAABcAAAAUAAAAAAAAAAAAAAD/fwAA/38AAAAAAAAJAAAABAAAAAMAhUEMAAAAEAAAAAAAAAAAAAAAAAAAAAAAAAAeAAAAaAAAAAAAAAAAAAAAAAAAAAAAAAAAAAAAECcAABAnAAAAAAAAAAAAAAAAAAAAAAAAAAAAAAAAAAAAAAAAAAAAABQAAAAAAAAAwMD/AAAAAABkAAAAMgAAAAAAAABkAAAAAAAAAH9/fwAKAAAAHwAAAFQAAAAAAAAFAAAAAQAAAAAAAAAAAAAAAAAAAAAAAAAAAAAAAAAAAAAAAAAAAAAAAn9/fwAAAAADzMzMAMDA/wB/f38AAAAAAAAAAAAAAAAAAAAAAAAAAAAhAAAAGAAAABQAAADQAgAAYQ0AAKobAACwJQAAAAAAACYAAAAIAAAAAYAAAAAAAAA="/>
-              </a:ext>
-            </a:extLst>
-          </p:cNvSpPr>
-          <p:nvPr>
-            <p:ph sz="half" idx="2"/>
+                <pr:smNativeData xmlns:pr="smNativeData" val="SMDATA_13_5iCqYxMAAAAlAAAAZAAAAA8BAAAAkAAAAEgAAACQAAAASAAAAAAAAAAAAAAAAAAAAAEAAABQAAAAAAAAAAAA4D8AAAAAAADgPwAAAAAAAOA/AAAAAAAA4D8AAAAAAADgPwAAAAAAAOA/AAAAAAAA4D8AAAAAAADgPwAAAAAAAOA/AAAAAAAA4D8CAAAAjAAAAAAAAAAAAAAAu+DjDP///wgAAAAAAAAAAAAAAAAAAAAAAAAAAAAAAAAAAAAAZAAAAAEAAABAAAAAAAAAAAAAAAAAAAAAAAAAAAAAAAAAAAAAAAAAAAAAAAAAAAAAAAAAAAAAAAAAAAAAAAAAAAAAAAAAAAAAAAAAAAAAAAAAAAAAAAAAAAAAAAAAAAAAFAAAADwAAAAAAAAAAAAAAAAAAAkUAAAAAQAAABQAAAAUAAAAFAAAAAEAAAAAAAAAZAAAAGQAAAAAAAAAZAAAAGQAAAAVAAAAYAAAAAAAAAAAAAAADwAAACADAAAAAAAAAAAAAAEAAACgMgAAVgcAAKr4//8BAAAAf39/AAEAAABkAAAAAAAAABQAAABAHwAAAAAAACYAAAAAAAAAwOD//wAAAAAmAAAAZAAAABYAAABMAAAAAAAAAAAAAAAEAAAAAAAAAAEAAACAgIAKAAAAACgAAAAoAAAAZAAAAGQAAAAAAAAAzMzMAAAAAABQAAAAUAAAAGQAAABkAAAAAAAAABcAAAAUAAAAAAAAAAAAAAD/fwAA/38AAAAAAAAJAAAABAAAAAMAhUEMAAAAEAAAAAAAAAAAAAAAAAAAAAAAAAAeAAAAaAAAAAAAAAAAAAAAAAAAAAAAAAAAAAAAECcAABAnAAAAAAAAAAAAAAAAAAAAAAAAAAAAAAAAAAAAAAAAAAAAABQAAAAAAAAAwMD/AAAAAABkAAAAMgAAAAAAAABkAAAAAAAAAH9/fwAKAAAAHwAAAFQAAAAAAAAFAAAAAQAAAAAAAAAAAAAAAAAAAAAAAAAAAAAAAAAAAAAAAAAAAAAAAn9/fwAAAAADzMzMAMDA/wB/f38AAAAAAAAAAAAAAAAAAAAAAAAAAAAhAAAAGAAAABQAAADQAgAAYQ0AAKobAACwJQAAEAAAACYAAAAIAAAAAYAAAAAAAAA="/>
+              </a:ext>
+            </a:extLst>
+          </p:cNvSpPr>
+          <p:nvPr>
+            <p:ph idx="2"/>
           </p:nvPr>
         </p:nvSpPr>
         <p:spPr>
@@ -1714,7 +1697,7 @@
             <a:spLocks noGrp="1" noChangeArrowheads="1"/>
             <a:extLst>
               <a:ext uri="smNativeData">
-                <pr:smNativeData xmlns:pr="smNativeData" val="SMDATA_13_9MGoYxMAAAAlAAAAZAAAAA8BAAAAkAAAAEgAAACQAAAASAAAAAAAAAACAAAAAAAAAAEAAABQAAAAAAAAAAAA4D8AAAAAAADgPwAAAAAAAOA/AAAAAAAA4D8AAAAAAADgPwAAAAAAAOA/AAAAAAAA4D8AAAAAAADgPwAAAAAAAOA/AAAAAAAA4D8CAAAAjAAAAAAAAAAAAAAAu+DjDP///wgAAAAAAAAAAAAAAAAAAAAAAAAAAAAAAAAAAAAAZAAAAAEAAABAAAAAAAAAAAAAAAAAAAAAAAAAAAAAAAAAAAAAAAAAAAAAAAAAAAAAAAAAAAAAAAAAAAAAAAAAAAAAAAAAAAAAAAAAAAAAAAAAAAAAAAAAAAAAAAAAAAAAFAAAADwAAAAAAAAAAAAAAAAAAAkUAAAAAQAAABQAAAAUAAAAFAAAAAEAAAAAAAAAZAAAAGQAAAAAAAAAZAAAAGQAAAAVAAAAYAAAAAAAAAAAAAAADwAAACADAAAAAAAAAAAAAAEAAACgMgAAVgcAAKr4//8BAAAAf39/AAEAAABkAAAAAAAAABQAAABAHwAAAAAAACYAAAAAAAAAwOD//wAAAAAmAAAAZAAAABYAAABMAAAAAAAAAAAAAAAEAAAAAAAAAAEAAACAgIAKAAAAACgAAAAoAAAAZAAAAGQAAAAAAAAAzMzMAAAAAABQAAAAUAAAAGQAAABkAAAAAAAAABcAAAAUAAAAAAAAAAAAAAD/fwAA/38AAAAAAAAJAAAABAAAAOOYAwAMAAAAEAAAAAAAAAAAAAAAAAAAAAAAAAAeAAAAaAAAAAAAAAAAAAAAAAAAAAAAAAAAAAAAECcAABAnAAAAAAAAAAAAAAAAAAAAAAAAAAAAAAAAAAAAAAAAAAAAABQAAAAAAAAAwMD/AAAAAABkAAAAMgAAAAAAAABkAAAAAAAAAH9/fwAKAAAAHwAAAFQAAAAAAAAFAAAAAQAAAAAAAAAAAAAAAAAAAAAAAAAAAAAAAAAAAAAAAAAAAAAAAn9/fwAAAAADzMzMAMDA/wB/f38AAAAAAAAAAAAAAAAAAAAAAAAAAAAhAAAAGAAAABQAAACWHAAAcQkAAHA1AABhDQAAAAAAACYAAAAIAAAAgYAAAAAAAAA="/>
+                <pr:smNativeData xmlns:pr="smNativeData" val="SMDATA_13_5iCqYxMAAAAlAAAAZAAAAA8BAAAAkAAAAEgAAACQAAAASAAAAAAAAAACAAAAAAAAAAEAAABQAAAAAAAAAAAA4D8AAAAAAADgPwAAAAAAAOA/AAAAAAAA4D8AAAAAAADgPwAAAAAAAOA/AAAAAAAA4D8AAAAAAADgPwAAAAAAAOA/AAAAAAAA4D8CAAAAjAAAAAAAAAAAAAAAu+DjDP///wgAAAAAAAAAAAAAAAAAAAAAAAAAAAAAAAAAAAAAZAAAAAEAAABAAAAAAAAAAAAAAAAAAAAAAAAAAAAAAAAAAAAAAAAAAAAAAAAAAAAAAAAAAAAAAAAAAAAAAAAAAAAAAAAAAAAAAAAAAAAAAAAAAAAAAAAAAAAAAAAAAAAAFAAAADwAAAAAAAAAAAAAAAAAAAkUAAAAAQAAABQAAAAUAAAAFAAAAAEAAAAAAAAAZAAAAGQAAAAAAAAAZAAAAGQAAAAVAAAAYAAAAAAAAAAAAAAADwAAACADAAAAAAAAAAAAAAEAAACgMgAAVgcAAKr4//8BAAAAf39/AAEAAABkAAAAAAAAABQAAABAHwAAAAAAACYAAAAAAAAAwOD//wAAAAAmAAAAZAAAABYAAABMAAAAAAAAAAAAAAAEAAAAAAAAAAEAAACAgIAKAAAAACgAAAAoAAAAZAAAAGQAAAAAAAAAzMzMAAAAAABQAAAAUAAAAGQAAABkAAAAAAAAABcAAAAUAAAAAAAAAAAAAAD/fwAA/38AAAAAAAAJAAAABAAAAOOYAwAMAAAAEAAAAAAAAAAAAAAAAAAAAAAAAAAeAAAAaAAAAAAAAAAAAAAAAAAAAAAAAAAAAAAAECcAABAnAAAAAAAAAAAAAAAAAAAAAAAAAAAAAAAAAAAAAAAAAAAAABQAAAAAAAAAwMD/AAAAAABkAAAAMgAAAAAAAABkAAAAAAAAAH9/fwAKAAAAHwAAAFQAAAAAAAAFAAAAAQAAAAAAAAAAAAAAAAAAAAAAAAAAAAAAAAAAAAAAAAAAAAAAAn9/fwAAAAADzMzMAMDA/wB/f38AAAAAAAAAAAAAAAAAAAAAAAAAAAAhAAAAGAAAABQAAACWHAAAcQkAAHA1AABhDQAAEAAAACYAAAAIAAAAgYAAAAAAAAA="/>
               </a:ext>
             </a:extLst>
           </p:cNvSpPr>
@@ -1787,12 +1770,12 @@
             <a:spLocks noGrp="1" noChangeArrowheads="1"/>
             <a:extLst>
               <a:ext uri="smNativeData">
-                <pr:smNativeData xmlns:pr="smNativeData" val="SMDATA_13_9MGoYxMAAAAlAAAAZAAAAA8BAAAAkAAAAEgAAACQAAAASAAAAAAAAAAAAAAAAAAAAAEAAABQAAAAAAAAAAAA4D8AAAAAAADgPwAAAAAAAOA/AAAAAAAA4D8AAAAAAADgPwAAAAAAAOA/AAAAAAAA4D8AAAAAAADgPwAAAAAAAOA/AAAAAAAA4D8CAAAAjAAAAAAAAAAAAAAAu+DjDP///wgAAAAAAAAAAAAAAAAAAAAAAAAAAAAAAAAAAAAAZAAAAAEAAABAAAAAAAAAAAAAAAAAAAAAAAAAAAAAAAAAAAAAAAAAAAAAAAAAAAAAAAAAAAAAAAAAAAAAAAAAAAAAAAAAAAAAAAAAAAAAAAAAAAAAAAAAAAAAAAAAAAAAFAAAADwAAAAAAAAAAAAAAAAAAAkUAAAAAQAAABQAAAAUAAAAFAAAAAEAAAAAAAAAZAAAAGQAAAAAAAAAZAAAAGQAAAAVAAAAYAAAAAAAAAAAAAAADwAAACADAAAAAAAAAAAAAAEAAACgMgAAVgcAAKr4//8BAAAAf39/AAEAAABkAAAAAAAAABQAAABAHwAAAAAAACYAAAAAAAAAwOD//wAAAAAmAAAAZAAAABYAAABMAAAAAAAAAAAAAAAEAAAAAAAAAAEAAACAgIAKAAAAACgAAAAoAAAAZAAAAGQAAAAAAAAAzMzMAAAAAABQAAAAUAAAAGQAAABkAAAAAAAAABcAAAAUAAAAAAAAAAAAAAD/fwAA/38AAAAAAAAJAAAABAAAAAMAjgwMAAAAEAAAAAAAAAAAAAAAAAAAAAAAAAAeAAAAaAAAAAAAAAAAAAAAAAAAAAAAAAAAAAAAECcAABAnAAAAAAAAAAAAAAAAAAAAAAAAAAAAAAAAAAAAAAAAAAAAABQAAAAAAAAAwMD/AAAAAABkAAAAMgAAAAAAAABkAAAAAAAAAH9/fwAKAAAAHwAAAFQAAAAAAAAFAAAAAQAAAAAAAAAAAAAAAAAAAAAAAAAAAAAAAAAAAAAAAAAAAAAAAn9/fwAAAAADzMzMAMDA/wB/f38AAAAAAAAAAAAAAAAAAAAAAAAAAAAhAAAAGAAAABQAAACWHAAAYQ0AAHA1AACwJQAAAAAAACYAAAAIAAAAAYAAAAAAAAA="/>
-              </a:ext>
-            </a:extLst>
-          </p:cNvSpPr>
-          <p:nvPr>
-            <p:ph sz="half" idx="4"/>
+                <pr:smNativeData xmlns:pr="smNativeData" val="SMDATA_13_5iCqYxMAAAAlAAAAZAAAAA8BAAAAkAAAAEgAAACQAAAASAAAAAAAAAAAAAAAAAAAAAEAAABQAAAAAAAAAAAA4D8AAAAAAADgPwAAAAAAAOA/AAAAAAAA4D8AAAAAAADgPwAAAAAAAOA/AAAAAAAA4D8AAAAAAADgPwAAAAAAAOA/AAAAAAAA4D8CAAAAjAAAAAAAAAAAAAAAu+DjDP///wgAAAAAAAAAAAAAAAAAAAAAAAAAAAAAAAAAAAAAZAAAAAEAAABAAAAAAAAAAAAAAAAAAAAAAAAAAAAAAAAAAAAAAAAAAAAAAAAAAAAAAAAAAAAAAAAAAAAAAAAAAAAAAAAAAAAAAAAAAAAAAAAAAAAAAAAAAAAAAAAAAAAAFAAAADwAAAAAAAAAAAAAAAAAAAkUAAAAAQAAABQAAAAUAAAAFAAAAAEAAAAAAAAAZAAAAGQAAAAAAAAAZAAAAGQAAAAVAAAAYAAAAAAAAAAAAAAADwAAACADAAAAAAAAAAAAAAEAAACgMgAAVgcAAKr4//8BAAAAf39/AAEAAABkAAAAAAAAABQAAABAHwAAAAAAACYAAAAAAAAAwOD//wAAAAAmAAAAZAAAABYAAABMAAAAAAAAAAAAAAAEAAAAAAAAAAEAAACAgIAKAAAAACgAAAAoAAAAZAAAAGQAAAAAAAAAzMzMAAAAAABQAAAAUAAAAGQAAABkAAAAAAAAABcAAAAUAAAAAAAAAAAAAAD/fwAA/38AAAAAAAAJAAAABAAAAAMAjgwMAAAAEAAAAAAAAAAAAAAAAAAAAAAAAAAeAAAAaAAAAAAAAAAAAAAAAAAAAAAAAAAAAAAAECcAABAnAAAAAAAAAAAAAAAAAAAAAAAAAAAAAAAAAAAAAAAAAAAAABQAAAAAAAAAwMD/AAAAAABkAAAAMgAAAAAAAABkAAAAAAAAAH9/fwAKAAAAHwAAAFQAAAAAAAAFAAAAAQAAAAAAAAAAAAAAAAAAAAAAAAAAAAAAAAAAAAAAAAAAAAAAAn9/fwAAAAADzMzMAMDA/wB/f38AAAAAAAAAAAAAAAAAAAAAAAAAAAAhAAAAGAAAABQAAACWHAAAYQ0AAHA1AACwJQAAEAAAACYAAAAIAAAAAYAAAAAAAAA="/>
+              </a:ext>
+            </a:extLst>
+          </p:cNvSpPr>
+          <p:nvPr>
+            <p:ph idx="4"/>
           </p:nvPr>
         </p:nvSpPr>
         <p:spPr>
@@ -1871,7 +1854,7 @@
             <a:spLocks noGrp="1" noChangeArrowheads="1"/>
             <a:extLst>
               <a:ext uri="smNativeData">
-                <pr:smNativeData xmlns:pr="smNativeData" val="SMDATA_13_9MGoYxMAAAAlAAAAZAAAAA8BAAAAkAAAAEgAAACQAAAASAAAAAAAAAABAAAAAAAAAAEAAABQAAAAAAAAAAAA4D8AAAAAAADgPwAAAAAAAOA/AAAAAAAA4D8AAAAAAADgPwAAAAAAAOA/AAAAAAAA4D8AAAAAAADgPwAAAAAAAOA/AAAAAAAA4D8CAAAAjAAAAAAAAAAAAAAAu+DjDP///wgAAAAAAAAAAAAAAAAAAAAAAAAAAAAAAAAAAAAAZAAAAAEAAABAAAAAAAAAAAAAAAAAAAAAAAAAAAAAAAAAAAAAAAAAAAAAAAAAAAAAAAAAAAAAAAAAAAAAAAAAAAAAAAAAAAAAAAAAAAAAAAAAAAAAAAAAAAAAAAAAAAAAFAAAADwAAAAAAAAAAAAAAAAAAAkUAAAAAQAAABQAAAAUAAAAFAAAAAEAAAAAAAAAZAAAAGQAAAAAAAAAZAAAAGQAAAAVAAAAYAAAAAAAAAAAAAAADwAAACADAAAAAAAAAAAAAAEAAACgMgAAVgcAAKr4//8BAAAAf39/AAEAAABkAAAAAAAAABQAAABAHwAAAAAAACYAAAAAAAAAwOD//wAAAAAmAAAAZAAAABYAAABMAAAAAAAAAAAAAAAEAAAAAAAAAAEAAACAgIAKAAAAACgAAAAoAAAAZAAAAGQAAAAAAAAAzMzMAAAAAABQAAAAUAAAAGQAAABkAAAAAAAAABcAAAAUAAAAAAAAAAAAAAD/fwAA/38AAAAAAAAJAAAABAAAAM9Aa2gMAAAAEAAAAAAAAAAAAAAAAAAAAAAAAAAeAAAAaAAAAAAAAAAAAAAAAAAAAAAAAAAAAAAAECcAABAnAAAAAAAAAAAAAAAAAAAAAAAAAAAAAAAAAAAAAAAAAAAAABQAAAAAAAAAwMD/AAAAAABkAAAAMgAAAAAAAABkAAAAAAAAAH9/fwAKAAAAHwAAAFQAAAAAAAAFAAAAAQAAAAAAAAAAAAAAAAAAAAAAAAAAAAAAAAAAAAAAAAAAAAAAAn9/fwAAAAADzMzMAMDA/wB/f38AAAAAAAAAAAAAAAAAAAAAAAAAAAAhAAAAGAAAABQAAADQAgAAGycAAPAPAABZKQAAAAAAACYAAAAIAAAAAAAAAAAAAAA="/>
+                <pr:smNativeData xmlns:pr="smNativeData" val="SMDATA_13_5iCqYxMAAAAlAAAAZAAAAA8BAAAAkAAAAEgAAACQAAAASAAAAAAAAAABAAAAAAAAAAEAAABQAAAAAAAAAAAA4D8AAAAAAADgPwAAAAAAAOA/AAAAAAAA4D8AAAAAAADgPwAAAAAAAOA/AAAAAAAA4D8AAAAAAADgPwAAAAAAAOA/AAAAAAAA4D8CAAAAjAAAAAAAAAAAAAAAu+DjDP///wgAAAAAAAAAAAAAAAAAAAAAAAAAAAAAAAAAAAAAZAAAAAEAAABAAAAAAAAAAAAAAAAAAAAAAAAAAAAAAAAAAAAAAAAAAAAAAAAAAAAAAAAAAAAAAAAAAAAAAAAAAAAAAAAAAAAAAAAAAAAAAAAAAAAAAAAAAAAAAAAAAAAAFAAAADwAAAAAAAAAAAAAAAAAAAkUAAAAAQAAABQAAAAUAAAAFAAAAAEAAAAAAAAAZAAAAGQAAAAAAAAAZAAAAGQAAAAVAAAAYAAAAAAAAAAAAAAADwAAACADAAAAAAAAAAAAAAEAAACgMgAAVgcAAKr4//8BAAAAf39/AAEAAABkAAAAAAAAABQAAABAHwAAAAAAACYAAAAAAAAAwOD//wAAAAAmAAAAZAAAABYAAABMAAAAAAAAAAAAAAAEAAAAAAAAAAEAAACAgIAKAAAAACgAAAAoAAAAZAAAAGQAAAAAAAAAzMzMAAAAAABQAAAAUAAAAGQAAABkAAAAAAAAABcAAAAUAAAAAAAAAAAAAAD/fwAA/38AAAAAAAAJAAAABAAAAM9Aa2gMAAAAEAAAAAAAAAAAAAAAAAAAAAAAAAAeAAAAaAAAAAAAAAAAAAAAAAAAAAAAAAAAAAAAECcAABAnAAAAAAAAAAAAAAAAAAAAAAAAAAAAAAAAAAAAAAAAAAAAABQAAAAAAAAAwMD/AAAAAABkAAAAMgAAAAAAAABkAAAAAAAAAH9/fwAKAAAAHwAAAFQAAAAAAAAFAAAAAQAAAAAAAAAAAAAAAAAAAAAAAAAAAAAAAAAAAAAAAAAAAAAAAn9/fwAAAAADzMzMAMDA/wB/f38AAAAAAAAAAAAAAAAAAAAAAAAAAAAhAAAAGAAAABQAAADQAgAAGycAAPAPAABZKQAAEAAAACYAAAAIAAAAAAAAAAAAAAA="/>
               </a:ext>
             </a:extLst>
           </p:cNvSpPr>
@@ -1885,7 +1868,7 @@
           <a:lstStyle/>
           <a:p>
             <a:pPr/>
-            <a:fld id="{2BE45C23-6DC6-B1AA-885C-9BFF12127ECE}" type="datetime1">
+            <a:fld id="{2683E39F-D1CB-D615-853B-2740AD757372}" type="datetime1">
               <a:t/>
             </a:fld>
           </a:p>
@@ -1898,7 +1881,7 @@
             <a:spLocks noGrp="1" noChangeArrowheads="1"/>
             <a:extLst>
               <a:ext uri="smNativeData">
-                <pr:smNativeData xmlns:pr="smNativeData" val="SMDATA_13_9MGoYxMAAAAlAAAAZAAAAA8BAAAAkAAAAEgAAACQAAAASAAAAAAAAAABAAAAAAAAAAEAAABQAAAAAAAAAAAA4D8AAAAAAADgPwAAAAAAAOA/AAAAAAAA4D8AAAAAAADgPwAAAAAAAOA/AAAAAAAA4D8AAAAAAADgPwAAAAAAAOA/AAAAAAAA4D8CAAAAjAAAAAAAAAAAAAAAu+DjDP///wgAAAAAAAAAAAAAAAAAAAAAAAAAAAAAAAAAAAAAZAAAAAEAAABAAAAAAAAAAAAAAAAAAAAAAAAAAAAAAAAAAAAAAAAAAAAAAAAAAAAAAAAAAAAAAAAAAAAAAAAAAAAAAAAAAAAAAAAAAAAAAAAAAAAAAAAAAAAAAAAAAAAAFAAAADwAAAAAAAAAAAAAAAAAAAkUAAAAAQAAABQAAAAUAAAAFAAAAAEAAAAAAAAAZAAAAGQAAAAAAAAAZAAAAGQAAAAVAAAAYAAAAAAAAAAAAAAADwAAACADAAAAAAAAAAAAAAEAAACgMgAAVgcAAKr4//8BAAAAf39/AAEAAABkAAAAAAAAABQAAABAHwAAAAAAACYAAAAAAAAAwOD//wAAAAAmAAAAZAAAABYAAABMAAAAAAAAAAAAAAAEAAAAAAAAAAEAAACAgIAKAAAAACgAAAAoAAAAZAAAAGQAAAAAAAAAzMzMAAAAAABQAAAAUAAAAGQAAABkAAAAAAAAABcAAAAUAAAAAAAAAAAAAAD/fwAA/38AAAAAAAAJAAAABAAAAHJ+AwAMAAAAEAAAAAAAAAAAAAAAAAAAAAAAAAAeAAAAaAAAAAAAAAAAAAAAAAAAAAAAAAAAAAAAECcAABAnAAAAAAAAAAAAAAAAAAAAAAAAAAAAAAAAAAAAAAAAAAAAABQAAAAAAAAAwMD/AAAAAABkAAAAMgAAAAAAAABkAAAAAAAAAH9/fwAKAAAAHwAAAFQAAAAAAAAFAAAAAQAAAAAAAAAAAAAAAAAAAAAAAAAAAAAAAAAAAAAAAAAAAAAAAn9/fwAAAAADzMzMAMDA/wB/f38AAAAAAAAAAAAAAAAAAAAAAAAAAAAhAAAAGAAAABQAAAA4EwAAGycAAAglAABZKQAAAAAAACYAAAAIAAAAAAAAAAAAAAA="/>
+                <pr:smNativeData xmlns:pr="smNativeData" val="SMDATA_13_5iCqYxMAAAAlAAAAZAAAAA8BAAAAkAAAAEgAAACQAAAASAAAAAAAAAABAAAAAAAAAAEAAABQAAAAAAAAAAAA4D8AAAAAAADgPwAAAAAAAOA/AAAAAAAA4D8AAAAAAADgPwAAAAAAAOA/AAAAAAAA4D8AAAAAAADgPwAAAAAAAOA/AAAAAAAA4D8CAAAAjAAAAAAAAAAAAAAAu+DjDP///wgAAAAAAAAAAAAAAAAAAAAAAAAAAAAAAAAAAAAAZAAAAAEAAABAAAAAAAAAAAAAAAAAAAAAAAAAAAAAAAAAAAAAAAAAAAAAAAAAAAAAAAAAAAAAAAAAAAAAAAAAAAAAAAAAAAAAAAAAAAAAAAAAAAAAAAAAAAAAAAAAAAAAFAAAADwAAAAAAAAAAAAAAAAAAAkUAAAAAQAAABQAAAAUAAAAFAAAAAEAAAAAAAAAZAAAAGQAAAAAAAAAZAAAAGQAAAAVAAAAYAAAAAAAAAAAAAAADwAAACADAAAAAAAAAAAAAAEAAACgMgAAVgcAAKr4//8BAAAAf39/AAEAAABkAAAAAAAAABQAAABAHwAAAAAAACYAAAAAAAAAwOD//wAAAAAmAAAAZAAAABYAAABMAAAAAAAAAAAAAAAEAAAAAAAAAAEAAACAgIAKAAAAACgAAAAoAAAAZAAAAGQAAAAAAAAAzMzMAAAAAABQAAAAUAAAAGQAAABkAAAAAAAAABcAAAAUAAAAAAAAAAAAAAD/fwAA/38AAAAAAAAJAAAABAAAAHJ+AwAMAAAAEAAAAAAAAAAAAAAAAAAAAAAAAAAeAAAAaAAAAAAAAAAAAAAAAAAAAAAAAAAAAAAAECcAABAnAAAAAAAAAAAAAAAAAAAAAAAAAAAAAAAAAAAAAAAAAAAAABQAAAAAAAAAwMD/AAAAAABkAAAAMgAAAAAAAABkAAAAAAAAAH9/fwAKAAAAHwAAAFQAAAAAAAAFAAAAAQAAAAAAAAAAAAAAAAAAAAAAAAAAAAAAAAAAAAAAAAAAAAAAAn9/fwAAAAADzMzMAMDA/wB/f38AAAAAAAAAAAAAAAAAAAAAAAAAAAAhAAAAGAAAABQAAAA4EwAAGycAAAglAABZKQAAEAAAACYAAAAIAAAAAAAAAAAAAAA="/>
               </a:ext>
             </a:extLst>
           </p:cNvSpPr>
@@ -1912,9 +1895,6 @@
           <a:lstStyle/>
           <a:p>
             <a:pPr/>
-            <a:r>
-              <a:t/>
-            </a:r>
           </a:p>
         </p:txBody>
       </p:sp>
@@ -1925,7 +1905,7 @@
             <a:spLocks noGrp="1" noChangeArrowheads="1"/>
             <a:extLst>
               <a:ext uri="smNativeData">
-                <pr:smNativeData xmlns:pr="smNativeData" val="SMDATA_13_9MGoYxMAAAAlAAAAZAAAAA8BAAAAkAAAAEgAAACQAAAASAAAAAAAAAABAAAAAAAAAAEAAABQAAAAAAAAAAAA4D8AAAAAAADgPwAAAAAAAOA/AAAAAAAA4D8AAAAAAADgPwAAAAAAAOA/AAAAAAAA4D8AAAAAAADgPwAAAAAAAOA/AAAAAAAA4D8CAAAAjAAAAAAAAAAAAAAAu+DjDP///wgAAAAAAAAAAAAAAAAAAAAAAAAAAAAAAAAAAAAAZAAAAAEAAABAAAAAAAAAAAAAAAAAAAAAAAAAAAAAAAAAAAAAAAAAAAAAAAAAAAAAAAAAAAAAAAAAAAAAAAAAAAAAAAAAAAAAAAAAAAAAAAAAAAAAAAAAAAAAAAAAAAAAFAAAADwAAAAAAAAAAAAAAAAAAAkUAAAAAQAAABQAAAAUAAAAFAAAAAEAAAAAAAAAZAAAAGQAAAAAAAAAZAAAAGQAAAAVAAAAYAAAAAAAAAAAAAAADwAAACADAAAAAAAAAAAAAAEAAACgMgAAVgcAAKr4//8BAAAAf39/AAEAAABkAAAAAAAAABQAAABAHwAAAAAAACYAAAAAAAAAwOD//wAAAAAmAAAAZAAAABYAAABMAAAAAAAAAAAAAAAEAAAAAAAAAAEAAACAgIAKAAAAACgAAAAoAAAAZAAAAGQAAAAAAAAAzMzMAAAAAABQAAAAUAAAAGQAAABkAAAAAAAAABcAAAAUAAAAAAAAAAAAAAD/fwAA/38AAAAAAAAJAAAABAAAAKVGcaEMAAAAEAAAAAAAAAAAAAAAAAAAAAAAAAAeAAAAaAAAAAAAAAAAAAAAAAAAAAAAAAAAAAAAECcAABAnAAAAAAAAAAAAAAAAAAAAAAAAAAAAAAAAAAAAAAAAAAAAABQAAAAAAAAAwMD/AAAAAABkAAAAMgAAAAAAAABkAAAAAAAAAH9/fwAKAAAAHwAAAFQAAAAAAAAFAAAAAQAAAAAAAAAAAAAAAAAAAAAAAAAAAAAAAAAAAAAAAAAAAAAAAn9/fwAAAAADzMzMAMDA/wB/f38AAAAAAAAAAAAAAAAAAAAAAAAAAAAhAAAAGAAAABQAAABQKAAAGycAAHA1AABZKQAAAAAAACYAAAAIAAAAAAAAAAAAAAA="/>
+                <pr:smNativeData xmlns:pr="smNativeData" val="SMDATA_13_5iCqYxMAAAAlAAAAZAAAAA8BAAAAkAAAAEgAAACQAAAASAAAAAAAAAABAAAAAAAAAAEAAABQAAAAAAAAAAAA4D8AAAAAAADgPwAAAAAAAOA/AAAAAAAA4D8AAAAAAADgPwAAAAAAAOA/AAAAAAAA4D8AAAAAAADgPwAAAAAAAOA/AAAAAAAA4D8CAAAAjAAAAAAAAAAAAAAAu+DjDP///wgAAAAAAAAAAAAAAAAAAAAAAAAAAAAAAAAAAAAAZAAAAAEAAABAAAAAAAAAAAAAAAAAAAAAAAAAAAAAAAAAAAAAAAAAAAAAAAAAAAAAAAAAAAAAAAAAAAAAAAAAAAAAAAAAAAAAAAAAAAAAAAAAAAAAAAAAAAAAAAAAAAAAFAAAADwAAAAAAAAAAAAAAAAAAAkUAAAAAQAAABQAAAAUAAAAFAAAAAEAAAAAAAAAZAAAAGQAAAAAAAAAZAAAAGQAAAAVAAAAYAAAAAAAAAAAAAAADwAAACADAAAAAAAAAAAAAAEAAACgMgAAVgcAAKr4//8BAAAAf39/AAEAAABkAAAAAAAAABQAAABAHwAAAAAAACYAAAAAAAAAwOD//wAAAAAmAAAAZAAAABYAAABMAAAAAAAAAAAAAAAEAAAAAAAAAAEAAACAgIAKAAAAACgAAAAoAAAAZAAAAGQAAAAAAAAAzMzMAAAAAABQAAAAUAAAAGQAAABkAAAAAAAAABcAAAAUAAAAAAAAAAAAAAD/fwAA/38AAAAAAAAJAAAABAAAAKVGcaEMAAAAEAAAAAAAAAAAAAAAAAAAAAAAAAAeAAAAaAAAAAAAAAAAAAAAAAAAAAAAAAAAAAAAECcAABAnAAAAAAAAAAAAAAAAAAAAAAAAAAAAAAAAAAAAAAAAAAAAABQAAAAAAAAAwMD/AAAAAABkAAAAMgAAAAAAAABkAAAAAAAAAH9/fwAKAAAAHwAAAFQAAAAAAAAFAAAAAQAAAAAAAAAAAAAAAAAAAAAAAAAAAAAAAAAAAAAAAAAAAAAAAn9/fwAAAAADzMzMAMDA/wB/f38AAAAAAAAAAAAAAAAAAAAAAAAAAAAhAAAAGAAAABQAAABQKAAAGycAAHA1AABZKQAAEAAAACYAAAAIAAAAAAAAAAAAAAA="/>
               </a:ext>
             </a:extLst>
           </p:cNvSpPr>
@@ -1939,7 +1919,7 @@
           <a:lstStyle/>
           <a:p>
             <a:pPr/>
-            <a:fld id="{2BE420C5-8BC6-B1D6-885C-7D836E127E28}" type="slidenum">
+            <a:fld id="{2683A9A3-EDCB-D65F-853B-1B0AE775734E}" type="slidenum">
               <a:t/>
             </a:fld>
           </a:p>
@@ -1977,7 +1957,7 @@
             <a:spLocks noGrp="1" noChangeArrowheads="1"/>
             <a:extLst>
               <a:ext uri="smNativeData">
-                <pr:smNativeData xmlns:pr="smNativeData" val="SMDATA_13_9MGoYxMAAAAlAAAAZAAAAA8BAAAAkAAAAEgAAACQAAAASAAAAAAAAAABAAAAAAAAAAEAAABQAAAAAAAAAAAA4D8AAAAAAADgPwAAAAAAAOA/AAAAAAAA4D8AAAAAAADgPwAAAAAAAOA/AAAAAAAA4D8AAAAAAADgPwAAAAAAAOA/AAAAAAAA4D8CAAAAjAAAAAAAAAAAAAAAu+DjDP///wgAAAAAAAAAAAAAAAAAAAAAAAAAAAAAAAAAAAAAZAAAAAEAAABAAAAAAAAAAAAAAAAAAAAAAAAAAAAAAAAAAAAAAAAAAAAAAAAAAAAAAAAAAAAAAAAAAAAAAAAAAAAAAAAAAAAAAAAAAAAAAAAAAAAAAAAAAAAAAAAAAAAAFAAAADwAAAAAAAAAAAAAAAAAAAkUAAAAAQAAABQAAAAUAAAAFAAAAAEAAAAAAAAAZAAAAGQAAAAAAAAAZAAAAGQAAAAVAAAAYAAAAAAAAAAAAAAADwAAACADAAAAAAAAAAAAAAEAAACgMgAAVgcAAKr4//8BAAAAf39/AAEAAABkAAAAAAAAABQAAABAHwAAAAAAACYAAAAAAAAAwOD//wAAAAAmAAAAZAAAABYAAABMAAAAAAAAAAAAAAAEAAAAAAAAAAEAAACAgIAKAAAAACgAAAAoAAAAZAAAAGQAAAAAAAAAzMzMAAAAAABQAAAAUAAAAGQAAABkAAAAAAAAABcAAAAUAAAAAAAAAAAAAAD/fwAA/38AAAAAAAAJAAAABAAAAAAAAAAMAAAAEAAAAAAAAAAAAAAAAAAAAAAAAAAeAAAAaAAAAAAAAAAAAAAAAAAAAAAAAAAAAAAAECcAABAnAAAAAAAAAAAAAAAAAAAAAAAAAAAAAAAAAAAAAAAAAAAAABQAAAAAAAAAwMD/AAAAAABkAAAAMgAAAAAAAABkAAAAAAAAAH9/fwAKAAAAHwAAAFQAAAAAAAAFAAAAAQAAAAAAAAAAAAAAAAAAAAAAAAAAAAAAAAAAAAAAAAAAAAAAAn9/fwAAAAADzMzMAMDA/wB/f38AAAAAAAAAAAAAAAAAAAAAAAAAAAAhAAAAGAAAABQAAADQAgAAsAEAAHA1AAC4CAAAAAAAACYAAAAIAAAAAAAAAAAAAAA="/>
+                <pr:smNativeData xmlns:pr="smNativeData" val="SMDATA_13_5iCqYxMAAAAlAAAAZAAAAA8BAAAAkAAAAEgAAACQAAAASAAAAAAAAAABAAAAAAAAAAEAAABQAAAAAAAAAAAA4D8AAAAAAADgPwAAAAAAAOA/AAAAAAAA4D8AAAAAAADgPwAAAAAAAOA/AAAAAAAA4D8AAAAAAADgPwAAAAAAAOA/AAAAAAAA4D8CAAAAjAAAAAAAAAAAAAAAu+DjDP///wgAAAAAAAAAAAAAAAAAAAAAAAAAAAAAAAAAAAAAZAAAAAEAAABAAAAAAAAAAAAAAAAAAAAAAAAAAAAAAAAAAAAAAAAAAAAAAAAAAAAAAAAAAAAAAAAAAAAAAAAAAAAAAAAAAAAAAAAAAAAAAAAAAAAAAAAAAAAAAAAAAAAAFAAAADwAAAAAAAAAAAAAAAAAAAkUAAAAAQAAABQAAAAUAAAAFAAAAAEAAAAAAAAAZAAAAGQAAAAAAAAAZAAAAGQAAAAVAAAAYAAAAAAAAAAAAAAADwAAACADAAAAAAAAAAAAAAEAAACgMgAAVgcAAKr4//8BAAAAf39/AAEAAABkAAAAAAAAABQAAABAHwAAAAAAACYAAAAAAAAAwOD//wAAAAAmAAAAZAAAABYAAABMAAAAAAAAAAAAAAAEAAAAAAAAAAEAAACAgIAKAAAAACgAAAAoAAAAZAAAAGQAAAAAAAAAzMzMAAAAAABQAAAAUAAAAGQAAABkAAAAAAAAABcAAAAUAAAAAAAAAAAAAAD/fwAA/38AAAAAAAAJAAAABAAAAAAAAAAMAAAAEAAAAAAAAAAAAAAAAAAAAAAAAAAeAAAAaAAAAAAAAAAAAAAAAAAAAAAAAAAAAAAAECcAABAnAAAAAAAAAAAAAAAAAAAAAAAAAAAAAAAAAAAAAAAAAAAAABQAAAAAAAAAwMD/AAAAAABkAAAAMgAAAAAAAABkAAAAAAAAAH9/fwAKAAAAHwAAAFQAAAAAAAAFAAAAAQAAAAAAAAAAAAAAAAAAAAAAAAAAAAAAAAAAAAAAAAAAAAAAAn9/fwAAAAADzMzMAMDA/wB/f38AAAAAAAAAAAAAAAAAAAAAAAAAAAAhAAAAGAAAABQAAADQAgAAsAEAAHA1AAC4CAAAEAAAACYAAAAIAAAAAAAAAAAAAAA="/>
               </a:ext>
             </a:extLst>
           </p:cNvSpPr>
@@ -2004,7 +1984,7 @@
             <a:spLocks noGrp="1" noChangeArrowheads="1"/>
             <a:extLst>
               <a:ext uri="smNativeData">
-                <pr:smNativeData xmlns:pr="smNativeData" val="SMDATA_13_9MGoYxMAAAAlAAAAZAAAAA8BAAAAkAAAAEgAAACQAAAASAAAAAAAAAABAAAAAAAAAAEAAABQAAAAAAAAAAAA4D8AAAAAAADgPwAAAAAAAOA/AAAAAAAA4D8AAAAAAADgPwAAAAAAAOA/AAAAAAAA4D8AAAAAAADgPwAAAAAAAOA/AAAAAAAA4D8CAAAAjAAAAAAAAAAAAAAAu+DjDP///wgAAAAAAAAAAAAAAAAAAAAAAAAAAAAAAAAAAAAAZAAAAAEAAABAAAAAAAAAAAAAAAAAAAAAAAAAAAAAAAAAAAAAAAAAAAAAAAAAAAAAAAAAAAAAAAAAAAAAAAAAAAAAAAAAAAAAAAAAAAAAAAAAAAAAAAAAAAAAAAAAAAAAFAAAADwAAAAAAAAAAAAAAAAAAAkUAAAAAQAAABQAAAAUAAAAFAAAAAEAAAAAAAAAZAAAAGQAAAAAAAAAZAAAAGQAAAAVAAAAYAAAAAAAAAAAAAAADwAAACADAAAAAAAAAAAAAAEAAACgMgAAVgcAAKr4//8BAAAAf39/AAEAAABkAAAAAAAAABQAAABAHwAAAAAAACYAAAAAAAAAwOD//wAAAAAmAAAAZAAAABYAAABMAAAAAAAAAAAAAAAEAAAAAAAAAAEAAACAgIAKAAAAACgAAAAoAAAAZAAAAGQAAAAAAAAAzMzMAAAAAABQAAAAUAAAAGQAAABkAAAAAAAAABcAAAAUAAAAAAAAAAAAAAD/fwAA/38AAAAAAAAJAAAABAAAAAAAAAAMAAAAEAAAAAAAAAAAAAAAAAAAAAAAAAAeAAAAaAAAAAAAAAAAAAAAAAAAAAAAAAAAAAAAECcAABAnAAAAAAAAAAAAAAAAAAAAAAAAAAAAAAAAAAAAAAAAAAAAABQAAAAAAAAAwMD/AAAAAABkAAAAMgAAAAAAAABkAAAAAAAAAH9/fwAKAAAAHwAAAFQAAAAAAAAFAAAAAQAAAAAAAAAAAAAAAAAAAAAAAAAAAAAAAAAAAAAAAAAAAAAAAn9/fwAAAAADzMzMAMDA/wB/f38AAAAAAAAAAAAAAAAAAAAAAAAAAAAhAAAAGAAAABQAAADQAgAAGycAAPAPAABZKQAAAAAAACYAAAAIAAAAAAAAAAAAAAA="/>
+                <pr:smNativeData xmlns:pr="smNativeData" val="SMDATA_13_5iCqYxMAAAAlAAAAZAAAAA8BAAAAkAAAAEgAAACQAAAASAAAAAAAAAABAAAAAAAAAAEAAABQAAAAAAAAAAAA4D8AAAAAAADgPwAAAAAAAOA/AAAAAAAA4D8AAAAAAADgPwAAAAAAAOA/AAAAAAAA4D8AAAAAAADgPwAAAAAAAOA/AAAAAAAA4D8CAAAAjAAAAAAAAAAAAAAAu+DjDP///wgAAAAAAAAAAAAAAAAAAAAAAAAAAAAAAAAAAAAAZAAAAAEAAABAAAAAAAAAAAAAAAAAAAAAAAAAAAAAAAAAAAAAAAAAAAAAAAAAAAAAAAAAAAAAAAAAAAAAAAAAAAAAAAAAAAAAAAAAAAAAAAAAAAAAAAAAAAAAAAAAAAAAFAAAADwAAAAAAAAAAAAAAAAAAAkUAAAAAQAAABQAAAAUAAAAFAAAAAEAAAAAAAAAZAAAAGQAAAAAAAAAZAAAAGQAAAAVAAAAYAAAAAAAAAAAAAAADwAAACADAAAAAAAAAAAAAAEAAACgMgAAVgcAAKr4//8BAAAAf39/AAEAAABkAAAAAAAAABQAAABAHwAAAAAAACYAAAAAAAAAwOD//wAAAAAmAAAAZAAAABYAAABMAAAAAAAAAAAAAAAEAAAAAAAAAAEAAACAgIAKAAAAACgAAAAoAAAAZAAAAGQAAAAAAAAAzMzMAAAAAABQAAAAUAAAAGQAAABkAAAAAAAAABcAAAAUAAAAAAAAAAAAAAD/fwAA/38AAAAAAAAJAAAABAAAAAAAAAAMAAAAEAAAAAAAAAAAAAAAAAAAAAAAAAAeAAAAaAAAAAAAAAAAAAAAAAAAAAAAAAAAAAAAECcAABAnAAAAAAAAAAAAAAAAAAAAAAAAAAAAAAAAAAAAAAAAAAAAABQAAAAAAAAAwMD/AAAAAABkAAAAMgAAAAAAAABkAAAAAAAAAH9/fwAKAAAAHwAAAFQAAAAAAAAFAAAAAQAAAAAAAAAAAAAAAAAAAAAAAAAAAAAAAAAAAAAAAAAAAAAAAn9/fwAAAAADzMzMAMDA/wB/f38AAAAAAAAAAAAAAAAAAAAAAAAAAAAhAAAAGAAAABQAAADQAgAAGycAAPAPAABZKQAAEAAAACYAAAAIAAAAAAAAAAAAAAA="/>
               </a:ext>
             </a:extLst>
           </p:cNvSpPr>
@@ -2018,7 +1998,7 @@
           <a:lstStyle/>
           <a:p>
             <a:pPr/>
-            <a:fld id="{2BE42E14-5AC6-B1D8-885C-AC8D60127EF9}" type="datetime1">
+            <a:fld id="{2683B8C2-8CCB-D64E-853B-7A1BF675732F}" type="datetime1">
               <a:t/>
             </a:fld>
           </a:p>
@@ -2031,7 +2011,7 @@
             <a:spLocks noGrp="1" noChangeArrowheads="1"/>
             <a:extLst>
               <a:ext uri="smNativeData">
-                <pr:smNativeData xmlns:pr="smNativeData" val="SMDATA_13_9MGoYxMAAAAlAAAAZAAAAA8BAAAAkAAAAEgAAACQAAAASAAAAAAAAAABAAAAAAAAAAEAAABQAAAAAAAAAAAA4D8AAAAAAADgPwAAAAAAAOA/AAAAAAAA4D8AAAAAAADgPwAAAAAAAOA/AAAAAAAA4D8AAAAAAADgPwAAAAAAAOA/AAAAAAAA4D8CAAAAjAAAAAAAAAAAAAAAu+DjDP///wgAAAAAAAAAAAAAAAAAAAAAAAAAAAAAAAAAAAAAZAAAAAEAAABAAAAAAAAAAAAAAAAAAAAAAAAAAAAAAAAAAAAAAAAAAAAAAAAAAAAAAAAAAAAAAAAAAAAAAAAAAAAAAAAAAAAAAAAAAAAAAAAAAAAAAAAAAAAAAAAAAAAAFAAAADwAAAAAAAAAAAAAAAAAAAkUAAAAAQAAABQAAAAUAAAAFAAAAAEAAAAAAAAAZAAAAGQAAAAAAAAAZAAAAGQAAAAVAAAAYAAAAAAAAAAAAAAADwAAACADAAAAAAAAAAAAAAEAAACgMgAAVgcAAKr4//8BAAAAf39/AAEAAABkAAAAAAAAABQAAABAHwAAAAAAACYAAAAAAAAAwOD//wAAAAAmAAAAZAAAABYAAABMAAAAAAAAAAAAAAAEAAAAAAAAAAEAAACAgIAKAAAAACgAAAAoAAAAZAAAAGQAAAAAAAAAzMzMAAAAAABQAAAAUAAAAGQAAABkAAAAAAAAABcAAAAUAAAAAAAAAAAAAAD/fwAA/38AAAAAAAAJAAAABAAAAAAAAAAMAAAAEAAAAAAAAAAAAAAAAAAAAAAAAAAeAAAAaAAAAAAAAAAAAAAAAAAAAAAAAAAAAAAAECcAABAnAAAAAAAAAAAAAAAAAAAAAAAAAAAAAAAAAAAAAAAAAAAAABQAAAAAAAAAwMD/AAAAAABkAAAAMgAAAAAAAABkAAAAAAAAAH9/fwAKAAAAHwAAAFQAAAAAAAAFAAAAAQAAAAAAAAAAAAAAAAAAAAAAAAAAAAAAAAAAAAAAAAAAAAAAAn9/fwAAAAADzMzMAMDA/wB/f38AAAAAAAAAAAAAAAAAAAAAAAAAAAAhAAAAGAAAABQAAAA4EwAAGycAAAglAABZKQAAAAAAACYAAAAIAAAAAAAAAAAAAAA="/>
+                <pr:smNativeData xmlns:pr="smNativeData" val="SMDATA_13_5iCqYxMAAAAlAAAAZAAAAA8BAAAAkAAAAEgAAACQAAAASAAAAAAAAAABAAAAAAAAAAEAAABQAAAAAAAAAAAA4D8AAAAAAADgPwAAAAAAAOA/AAAAAAAA4D8AAAAAAADgPwAAAAAAAOA/AAAAAAAA4D8AAAAAAADgPwAAAAAAAOA/AAAAAAAA4D8CAAAAjAAAAAAAAAAAAAAAu+DjDP///wgAAAAAAAAAAAAAAAAAAAAAAAAAAAAAAAAAAAAAZAAAAAEAAABAAAAAAAAAAAAAAAAAAAAAAAAAAAAAAAAAAAAAAAAAAAAAAAAAAAAAAAAAAAAAAAAAAAAAAAAAAAAAAAAAAAAAAAAAAAAAAAAAAAAAAAAAAAAAAAAAAAAAFAAAADwAAAAAAAAAAAAAAAAAAAkUAAAAAQAAABQAAAAUAAAAFAAAAAEAAAAAAAAAZAAAAGQAAAAAAAAAZAAAAGQAAAAVAAAAYAAAAAAAAAAAAAAADwAAACADAAAAAAAAAAAAAAEAAACgMgAAVgcAAKr4//8BAAAAf39/AAEAAABkAAAAAAAAABQAAABAHwAAAAAAACYAAAAAAAAAwOD//wAAAAAmAAAAZAAAABYAAABMAAAAAAAAAAAAAAAEAAAAAAAAAAEAAACAgIAKAAAAACgAAAAoAAAAZAAAAGQAAAAAAAAAzMzMAAAAAABQAAAAUAAAAGQAAABkAAAAAAAAABcAAAAUAAAAAAAAAAAAAAD/fwAA/38AAAAAAAAJAAAABAAAAAAAAAAMAAAAEAAAAAAAAAAAAAAAAAAAAAAAAAAeAAAAaAAAAAAAAAAAAAAAAAAAAAAAAAAAAAAAECcAABAnAAAAAAAAAAAAAAAAAAAAAAAAAAAAAAAAAAAAAAAAAAAAABQAAAAAAAAAwMD/AAAAAABkAAAAMgAAAAAAAABkAAAAAAAAAH9/fwAKAAAAHwAAAFQAAAAAAAAFAAAAAQAAAAAAAAAAAAAAAAAAAAAAAAAAAAAAAAAAAAAAAAAAAAAAAn9/fwAAAAADzMzMAMDA/wB/f38AAAAAAAAAAAAAAAAAAAAAAAAAAAAhAAAAGAAAABQAAAA4EwAAGycAAAglAABZKQAAEAAAACYAAAAIAAAAAAAAAAAAAAA="/>
               </a:ext>
             </a:extLst>
           </p:cNvSpPr>
@@ -2045,9 +2025,6 @@
           <a:lstStyle/>
           <a:p>
             <a:pPr/>
-            <a:r>
-              <a:t/>
-            </a:r>
           </a:p>
         </p:txBody>
       </p:sp>
@@ -2058,7 +2035,7 @@
             <a:spLocks noGrp="1" noChangeArrowheads="1"/>
             <a:extLst>
               <a:ext uri="smNativeData">
-                <pr:smNativeData xmlns:pr="smNativeData" val="SMDATA_13_9MGoYxMAAAAlAAAAZAAAAA8BAAAAkAAAAEgAAACQAAAASAAAAAAAAAABAAAAAAAAAAEAAABQAAAAAAAAAAAA4D8AAAAAAADgPwAAAAAAAOA/AAAAAAAA4D8AAAAAAADgPwAAAAAAAOA/AAAAAAAA4D8AAAAAAADgPwAAAAAAAOA/AAAAAAAA4D8CAAAAjAAAAAAAAAAAAAAAu+DjDP///wgAAAAAAAAAAAAAAAAAAAAAAAAAAAAAAAAAAAAAZAAAAAEAAABAAAAAAAAAAAAAAAAAAAAAAAAAAAAAAAAAAAAAAAAAAAAAAAAAAAAAAAAAAAAAAAAAAAAAAAAAAAAAAAAAAAAAAAAAAAAAAAAAAAAAAAAAAAAAAAAAAAAAFAAAADwAAAAAAAAAAAAAAAAAAAkUAAAAAQAAABQAAAAUAAAAFAAAAAEAAAAAAAAAZAAAAGQAAAAAAAAAZAAAAGQAAAAVAAAAYAAAAAAAAAAAAAAADwAAACADAAAAAAAAAAAAAAEAAACgMgAAVgcAAKr4//8BAAAAf39/AAEAAABkAAAAAAAAABQAAABAHwAAAAAAACYAAAAAAAAAwOD//wAAAAAmAAAAZAAAABYAAABMAAAAAAAAAAAAAAAEAAAAAAAAAAEAAACAgIAKAAAAACgAAAAoAAAAZAAAAGQAAAAAAAAAzMzMAAAAAABQAAAAUAAAAGQAAABkAAAAAAAAABcAAAAUAAAAAAAAAAAAAAD/fwAA/38AAAAAAAAJAAAABAAAAAAAAAAMAAAAEAAAAAAAAAAAAAAAAAAAAAAAAAAeAAAAaAAAAAAAAAAAAAAAAAAAAAAAAAAAAAAAECcAABAnAAAAAAAAAAAAAAAAAAAAAAAAAAAAAAAAAAAAAAAAAAAAABQAAAAAAAAAwMD/AAAAAABkAAAAMgAAAAAAAABkAAAAAAAAAH9/fwAKAAAAHwAAAFQAAAAAAAAFAAAAAQAAAAAAAAAAAAAAAAAAAAAAAAAAAAAAAAAAAAAAAAAAAAAAAn9/fwAAAAADzMzMAMDA/wB/f38AAAAAAAAAAAAAAAAAAAAAAAAAAAAhAAAAGAAAABQAAABQKAAAGycAAHA1AABZKQAAAAAAACYAAAAIAAAAAAAAAAAAAAA="/>
+                <pr:smNativeData xmlns:pr="smNativeData" val="SMDATA_13_5iCqYxMAAAAlAAAAZAAAAA8BAAAAkAAAAEgAAACQAAAASAAAAAAAAAABAAAAAAAAAAEAAABQAAAAAAAAAAAA4D8AAAAAAADgPwAAAAAAAOA/AAAAAAAA4D8AAAAAAADgPwAAAAAAAOA/AAAAAAAA4D8AAAAAAADgPwAAAAAAAOA/AAAAAAAA4D8CAAAAjAAAAAAAAAAAAAAAu+DjDP///wgAAAAAAAAAAAAAAAAAAAAAAAAAAAAAAAAAAAAAZAAAAAEAAABAAAAAAAAAAAAAAAAAAAAAAAAAAAAAAAAAAAAAAAAAAAAAAAAAAAAAAAAAAAAAAAAAAAAAAAAAAAAAAAAAAAAAAAAAAAAAAAAAAAAAAAAAAAAAAAAAAAAAFAAAADwAAAAAAAAAAAAAAAAAAAkUAAAAAQAAABQAAAAUAAAAFAAAAAEAAAAAAAAAZAAAAGQAAAAAAAAAZAAAAGQAAAAVAAAAYAAAAAAAAAAAAAAADwAAACADAAAAAAAAAAAAAAEAAACgMgAAVgcAAKr4//8BAAAAf39/AAEAAABkAAAAAAAAABQAAABAHwAAAAAAACYAAAAAAAAAwOD//wAAAAAmAAAAZAAAABYAAABMAAAAAAAAAAAAAAAEAAAAAAAAAAEAAACAgIAKAAAAACgAAAAoAAAAZAAAAGQAAAAAAAAAzMzMAAAAAABQAAAAUAAAAGQAAABkAAAAAAAAABcAAAAUAAAAAAAAAAAAAAD/fwAA/38AAAAAAAAJAAAABAAAAAAAAAAMAAAAEAAAAAAAAAAAAAAAAAAAAAAAAAAeAAAAaAAAAAAAAAAAAAAAAAAAAAAAAAAAAAAAECcAABAnAAAAAAAAAAAAAAAAAAAAAAAAAAAAAAAAAAAAAAAAAAAAABQAAAAAAAAAwMD/AAAAAABkAAAAMgAAAAAAAABkAAAAAAAAAH9/fwAKAAAAHwAAAFQAAAAAAAAFAAAAAQAAAAAAAAAAAAAAAAAAAAAAAAAAAAAAAAAAAAAAAAAAAAAAAn9/fwAAAAADzMzMAMDA/wB/f38AAAAAAAAAAAAAAAAAAAAAAAAAAAAhAAAAGAAAABQAAABQKAAAGycAAHA1AABZKQAAEAAAACYAAAAIAAAAAAAAAAAAAAA="/>
               </a:ext>
             </a:extLst>
           </p:cNvSpPr>
@@ -2072,7 +2049,7 @@
           <a:lstStyle/>
           <a:p>
             <a:pPr/>
-            <a:fld id="{2BE471BA-F4C6-B187-885C-02D23F127E57}" type="slidenum">
+            <a:fld id="{2683C72D-63CB-D631-853B-9564897573C0}" type="slidenum">
               <a:t/>
             </a:fld>
           </a:p>
@@ -2110,7 +2087,7 @@
             <a:spLocks noGrp="1" noChangeArrowheads="1"/>
             <a:extLst>
               <a:ext uri="smNativeData">
-                <pr:smNativeData xmlns:pr="smNativeData" val="SMDATA_13_9MGoYxMAAAAlAAAAZAAAAA8BAAAAkAAAAEgAAACQAAAASAAAAAAAAAABAAAAAAAAAAEAAABQAAAAAAAAAAAA4D8AAAAAAADgPwAAAAAAAOA/AAAAAAAA4D8AAAAAAADgPwAAAAAAAOA/AAAAAAAA4D8AAAAAAADgPwAAAAAAAOA/AAAAAAAA4D8CAAAAjAAAAAAAAAAAAAAAu+DjDP///wgAAAAAAAAAAAAAAAAAAAAAAAAAAAAAAAAAAAAAZAAAAAEAAABAAAAAAAAAAAAAAAAAAAAAAAAAAAAAAAAAAAAAAAAAAAAAAAAAAAAAAAAAAAAAAAAAAAAAAAAAAAAAAAAAAAAAAAAAAAAAAAAAAAAAAAAAAAAAAAAAAAAAFAAAADwAAAAAAAAAAAAAAAAAAAkUAAAAAQAAABQAAAAUAAAAFAAAAAEAAAAAAAAAZAAAAGQAAAAAAAAAZAAAAGQAAAAVAAAAYAAAAAAAAAAAAAAADwAAACADAAAAAAAAAAAAAAEAAACgMgAAVgcAAKr4//8BAAAAf39/AAEAAABkAAAAAAAAABQAAABAHwAAAAAAACYAAAAAAAAAwOD//wAAAAAmAAAAZAAAABYAAABMAAAAAAAAAAAAAAAEAAAAAAAAAAEAAACAgIAKAAAAACgAAAAoAAAAZAAAAGQAAAAAAAAAzMzMAAAAAABQAAAAUAAAAGQAAABkAAAAAAAAABcAAAAUAAAAAAAAAAAAAAD/fwAA/38AAAAAAAAJAAAABAAAAAAAAAAMAAAAEAAAAAAAAAAAAAAAAAAAAAAAAAAeAAAAaAAAAAAAAAAAAAAAAAAAAAAAAAAAAAAAECcAABAnAAAAAAAAAAAAAAAAAAAAAAAAAAAAAAAAAAAAAAAAAAAAABQAAAAAAAAAwMD/AAAAAABkAAAAMgAAAAAAAABkAAAAAAAAAH9/fwAKAAAAHwAAAFQAAAAAAAAFAAAAAQAAAAAAAAAAAAAAAAAAAAAAAAAAAAAAAAAAAAAAAAAAAAAAAn9/fwAAAAADzMzMAMDA/wB/f38AAAAAAAAAAAAAAAAAAAAAAAAAAAAhAAAAGAAAABQAAADQAgAAGycAAPAPAABZKQAAAAAAACYAAAAIAAAAAAAAAAAAAAA="/>
+                <pr:smNativeData xmlns:pr="smNativeData" val="SMDATA_13_5iCqYxMAAAAlAAAAZAAAAA8BAAAAkAAAAEgAAACQAAAASAAAAAAAAAABAAAAAAAAAAEAAABQAAAAAAAAAAAA4D8AAAAAAADgPwAAAAAAAOA/AAAAAAAA4D8AAAAAAADgPwAAAAAAAOA/AAAAAAAA4D8AAAAAAADgPwAAAAAAAOA/AAAAAAAA4D8CAAAAjAAAAAAAAAAAAAAAu+DjDP///wgAAAAAAAAAAAAAAAAAAAAAAAAAAAAAAAAAAAAAZAAAAAEAAABAAAAAAAAAAAAAAAAAAAAAAAAAAAAAAAAAAAAAAAAAAAAAAAAAAAAAAAAAAAAAAAAAAAAAAAAAAAAAAAAAAAAAAAAAAAAAAAAAAAAAAAAAAAAAAAAAAAAAFAAAADwAAAAAAAAAAAAAAAAAAAkUAAAAAQAAABQAAAAUAAAAFAAAAAEAAAAAAAAAZAAAAGQAAAAAAAAAZAAAAGQAAAAVAAAAYAAAAAAAAAAAAAAADwAAACADAAAAAAAAAAAAAAEAAACgMgAAVgcAAKr4//8BAAAAf39/AAEAAABkAAAAAAAAABQAAABAHwAAAAAAACYAAAAAAAAAwOD//wAAAAAmAAAAZAAAABYAAABMAAAAAAAAAAAAAAAEAAAAAAAAAAEAAACAgIAKAAAAACgAAAAoAAAAZAAAAGQAAAAAAAAAzMzMAAAAAABQAAAAUAAAAGQAAABkAAAAAAAAABcAAAAUAAAAAAAAAAAAAAD/fwAA/38AAAAAAAAJAAAABAAAAAAAAAAMAAAAEAAAAAAAAAAAAAAAAAAAAAAAAAAeAAAAaAAAAAAAAAAAAAAAAAAAAAAAAAAAAAAAECcAABAnAAAAAAAAAAAAAAAAAAAAAAAAAAAAAAAAAAAAAAAAAAAAABQAAAAAAAAAwMD/AAAAAABkAAAAMgAAAAAAAABkAAAAAAAAAH9/fwAKAAAAHwAAAFQAAAAAAAAFAAAAAQAAAAAAAAAAAAAAAAAAAAAAAAAAAAAAAAAAAAAAAAAAAAAAAn9/fwAAAAADzMzMAMDA/wB/f38AAAAAAAAAAAAAAAAAAAAAAAAAAAAhAAAAGAAAABQAAADQAgAAGycAAPAPAABZKQAAEAAAACYAAAAIAAAAAAAAAAAAAAA="/>
               </a:ext>
             </a:extLst>
           </p:cNvSpPr>
@@ -2124,7 +2101,7 @@
           <a:lstStyle/>
           <a:p>
             <a:pPr/>
-            <a:fld id="{2BE46563-2DC6-B193-885C-DBC62B127E8E}" type="datetime1">
+            <a:fld id="{2683CC0E-40CB-D63A-853B-B66F827573E3}" type="datetime1">
               <a:t/>
             </a:fld>
           </a:p>
@@ -2137,7 +2114,7 @@
             <a:spLocks noGrp="1" noChangeArrowheads="1"/>
             <a:extLst>
               <a:ext uri="smNativeData">
-                <pr:smNativeData xmlns:pr="smNativeData" val="SMDATA_13_9MGoYxMAAAAlAAAAZAAAAA8BAAAAkAAAAEgAAACQAAAASAAAAAAAAAABAAAAAAAAAAEAAABQAAAAAAAAAAAA4D8AAAAAAADgPwAAAAAAAOA/AAAAAAAA4D8AAAAAAADgPwAAAAAAAOA/AAAAAAAA4D8AAAAAAADgPwAAAAAAAOA/AAAAAAAA4D8CAAAAjAAAAAAAAAAAAAAAu+DjDP///wgAAAAAAAAAAAAAAAAAAAAAAAAAAAAAAAAAAAAAZAAAAAEAAABAAAAAAAAAAAAAAAAAAAAAAAAAAAAAAAAAAAAAAAAAAAAAAAAAAAAAAAAAAAAAAAAAAAAAAAAAAAAAAAAAAAAAAAAAAAAAAAAAAAAAAAAAAAAAAAAAAAAAFAAAADwAAAAAAAAAAAAAAAAAAAkUAAAAAQAAABQAAAAUAAAAFAAAAAEAAAAAAAAAZAAAAGQAAAAAAAAAZAAAAGQAAAAVAAAAYAAAAAAAAAAAAAAADwAAACADAAAAAAAAAAAAAAEAAACgMgAAVgcAAKr4//8BAAAAf39/AAEAAABkAAAAAAAAABQAAABAHwAAAAAAACYAAAAAAAAAwOD//wAAAAAmAAAAZAAAABYAAABMAAAAAAAAAAAAAAAEAAAAAAAAAAEAAACAgIAKAAAAACgAAAAoAAAAZAAAAGQAAAAAAAAAzMzMAAAAAABQAAAAUAAAAGQAAABkAAAAAAAAABcAAAAUAAAAAAAAAAAAAAD/fwAA/38AAAAAAAAJAAAABAAAAAAAAAAMAAAAEAAAAAAAAAAAAAAAAAAAAAAAAAAeAAAAaAAAAAAAAAAAAAAAAAAAAAAAAAAAAAAAECcAABAnAAAAAAAAAAAAAAAAAAAAAAAAAAAAAAAAAAAAAAAAAAAAABQAAAAAAAAAwMD/AAAAAABkAAAAMgAAAAAAAABkAAAAAAAAAH9/fwAKAAAAHwAAAFQAAAAAAAAFAAAAAQAAAAAAAAAAAAAAAAAAAAAAAAAAAAAAAAAAAAAAAAAAAAAAAn9/fwAAAAADzMzMAMDA/wB/f38AAAAAAAAAAAAAAAAAAAAAAAAAAAAhAAAAGAAAABQAAAA4EwAAGycAAAglAABZKQAAAAAAACYAAAAIAAAAAAAAAAAAAAA="/>
+                <pr:smNativeData xmlns:pr="smNativeData" val="SMDATA_13_5iCqYxMAAAAlAAAAZAAAAA8BAAAAkAAAAEgAAACQAAAASAAAAAAAAAABAAAAAAAAAAEAAABQAAAAAAAAAAAA4D8AAAAAAADgPwAAAAAAAOA/AAAAAAAA4D8AAAAAAADgPwAAAAAAAOA/AAAAAAAA4D8AAAAAAADgPwAAAAAAAOA/AAAAAAAA4D8CAAAAjAAAAAAAAAAAAAAAu+DjDP///wgAAAAAAAAAAAAAAAAAAAAAAAAAAAAAAAAAAAAAZAAAAAEAAABAAAAAAAAAAAAAAAAAAAAAAAAAAAAAAAAAAAAAAAAAAAAAAAAAAAAAAAAAAAAAAAAAAAAAAAAAAAAAAAAAAAAAAAAAAAAAAAAAAAAAAAAAAAAAAAAAAAAAFAAAADwAAAAAAAAAAAAAAAAAAAkUAAAAAQAAABQAAAAUAAAAFAAAAAEAAAAAAAAAZAAAAGQAAAAAAAAAZAAAAGQAAAAVAAAAYAAAAAAAAAAAAAAADwAAACADAAAAAAAAAAAAAAEAAACgMgAAVgcAAKr4//8BAAAAf39/AAEAAABkAAAAAAAAABQAAABAHwAAAAAAACYAAAAAAAAAwOD//wAAAAAmAAAAZAAAABYAAABMAAAAAAAAAAAAAAAEAAAAAAAAAAEAAACAgIAKAAAAACgAAAAoAAAAZAAAAGQAAAAAAAAAzMzMAAAAAABQAAAAUAAAAGQAAABkAAAAAAAAABcAAAAUAAAAAAAAAAAAAAD/fwAA/38AAAAAAAAJAAAABAAAAAAAAAAMAAAAEAAAAAAAAAAAAAAAAAAAAAAAAAAeAAAAaAAAAAAAAAAAAAAAAAAAAAAAAAAAAAAAECcAABAnAAAAAAAAAAAAAAAAAAAAAAAAAAAAAAAAAAAAAAAAAAAAABQAAAAAAAAAwMD/AAAAAABkAAAAMgAAAAAAAABkAAAAAAAAAH9/fwAKAAAAHwAAAFQAAAAAAAAFAAAAAQAAAAAAAAAAAAAAAAAAAAAAAAAAAAAAAAAAAAAAAAAAAAAAAn9/fwAAAAADzMzMAMDA/wB/f38AAAAAAAAAAAAAAAAAAAAAAAAAAAAhAAAAGAAAABQAAAA4EwAAGycAAAglAABZKQAAEAAAACYAAAAIAAAAAAAAAAAAAAA="/>
               </a:ext>
             </a:extLst>
           </p:cNvSpPr>
@@ -2151,9 +2128,6 @@
           <a:lstStyle/>
           <a:p>
             <a:pPr/>
-            <a:r>
-              <a:t/>
-            </a:r>
           </a:p>
         </p:txBody>
       </p:sp>
@@ -2164,7 +2138,7 @@
             <a:spLocks noGrp="1" noChangeArrowheads="1"/>
             <a:extLst>
               <a:ext uri="smNativeData">
-                <pr:smNativeData xmlns:pr="smNativeData" val="SMDATA_13_9MGoYxMAAAAlAAAAZAAAAA8BAAAAkAAAAEgAAACQAAAASAAAAAAAAAABAAAAAAAAAAEAAABQAAAAAAAAAAAA4D8AAAAAAADgPwAAAAAAAOA/AAAAAAAA4D8AAAAAAADgPwAAAAAAAOA/AAAAAAAA4D8AAAAAAADgPwAAAAAAAOA/AAAAAAAA4D8CAAAAjAAAAAAAAAAAAAAAu+DjDP///wgAAAAAAAAAAAAAAAAAAAAAAAAAAAAAAAAAAAAAZAAAAAEAAABAAAAAAAAAAAAAAAAAAAAAAAAAAAAAAAAAAAAAAAAAAAAAAAAAAAAAAAAAAAAAAAAAAAAAAAAAAAAAAAAAAAAAAAAAAAAAAAAAAAAAAAAAAAAAAAAAAAAAFAAAADwAAAAAAAAAAAAAAAAAAAkUAAAAAQAAABQAAAAUAAAAFAAAAAEAAAAAAAAAZAAAAGQAAAAAAAAAZAAAAGQAAAAVAAAAYAAAAAAAAAAAAAAADwAAACADAAAAAAAAAAAAAAEAAACgMgAAVgcAAKr4//8BAAAAf39/AAEAAABkAAAAAAAAABQAAABAHwAAAAAAACYAAAAAAAAAwOD//wAAAAAmAAAAZAAAABYAAABMAAAAAAAAAAAAAAAEAAAAAAAAAAEAAACAgIAKAAAAACgAAAAoAAAAZAAAAGQAAAAAAAAAzMzMAAAAAABQAAAAUAAAAGQAAABkAAAAAAAAABcAAAAUAAAAAAAAAAAAAAD/fwAA/38AAAAAAAAJAAAABAAAADIAAAAMAAAAEAAAAAAAAAAAAAAAAAAAAAAAAAAeAAAAaAAAAAAAAAAAAAAAAAAAAAAAAAAAAAAAECcAABAnAAAAAAAAAAAAAAAAAAAAAAAAAAAAAAAAAAAAAAAAAAAAABQAAAAAAAAAwMD/AAAAAABkAAAAMgAAAAAAAABkAAAAAAAAAH9/fwAKAAAAHwAAAFQAAAAAAAAFAAAAAQAAAAAAAAAAAAAAAAAAAAAAAAAAAAAAAAAAAAAAAAAAAAAAAn9/fwAAAAADzMzMAMDA/wB/f38AAAAAAAAAAAAAAAAAAAAAAAAAAAAhAAAAGAAAABQAAABQKAAAGycAAHA1AABZKQAAAAAAACYAAAAIAAAAAAAAAAAAAAA="/>
+                <pr:smNativeData xmlns:pr="smNativeData" val="SMDATA_13_5iCqYxMAAAAlAAAAZAAAAA8BAAAAkAAAAEgAAACQAAAASAAAAAAAAAABAAAAAAAAAAEAAABQAAAAAAAAAAAA4D8AAAAAAADgPwAAAAAAAOA/AAAAAAAA4D8AAAAAAADgPwAAAAAAAOA/AAAAAAAA4D8AAAAAAADgPwAAAAAAAOA/AAAAAAAA4D8CAAAAjAAAAAAAAAAAAAAAu+DjDP///wgAAAAAAAAAAAAAAAAAAAAAAAAAAAAAAAAAAAAAZAAAAAEAAABAAAAAAAAAAAAAAAAAAAAAAAAAAAAAAAAAAAAAAAAAAAAAAAAAAAAAAAAAAAAAAAAAAAAAAAAAAAAAAAAAAAAAAAAAAAAAAAAAAAAAAAAAAAAAAAAAAAAAFAAAADwAAAAAAAAAAAAAAAAAAAkUAAAAAQAAABQAAAAUAAAAFAAAAAEAAAAAAAAAZAAAAGQAAAAAAAAAZAAAAGQAAAAVAAAAYAAAAAAAAAAAAAAADwAAACADAAAAAAAAAAAAAAEAAACgMgAAVgcAAKr4//8BAAAAf39/AAEAAABkAAAAAAAAABQAAABAHwAAAAAAACYAAAAAAAAAwOD//wAAAAAmAAAAZAAAABYAAABMAAAAAAAAAAAAAAAEAAAAAAAAAAEAAACAgIAKAAAAACgAAAAoAAAAZAAAAGQAAAAAAAAAzMzMAAAAAABQAAAAUAAAAGQAAABkAAAAAAAAABcAAAAUAAAAAAAAAAAAAAD/fwAA/38AAAAAAAAJAAAABAAAADIAAAAMAAAAEAAAAAAAAAAAAAAAAAAAAAAAAAAeAAAAaAAAAAAAAAAAAAAAAAAAAAAAAAAAAAAAECcAABAnAAAAAAAAAAAAAAAAAAAAAAAAAAAAAAAAAAAAAAAAAAAAABQAAAAAAAAAwMD/AAAAAABkAAAAMgAAAAAAAABkAAAAAAAAAH9/fwAKAAAAHwAAAFQAAAAAAAAFAAAAAQAAAAAAAAAAAAAAAAAAAAAAAAAAAAAAAAAAAAAAAAAAAAAAAn9/fwAAAAADzMzMAMDA/wB/f38AAAAAAAAAAAAAAAAAAAAAAAAAAAAhAAAAGAAAABQAAABQKAAAGycAAHA1AABZKQAAEAAAACYAAAAIAAAAAAAAAAAAAAA="/>
               </a:ext>
             </a:extLst>
           </p:cNvSpPr>
@@ -2178,7 +2152,7 @@
           <a:lstStyle/>
           <a:p>
             <a:pPr/>
-            <a:fld id="{2BE40709-47C6-B1F1-885C-B1A449127EE4}" type="slidenum">
+            <a:fld id="{2683A7E0-AECB-D651-853B-5804E975730D}" type="slidenum">
               <a:t/>
             </a:fld>
           </a:p>
@@ -2216,7 +2190,7 @@
             <a:spLocks noGrp="1" noChangeArrowheads="1"/>
             <a:extLst>
               <a:ext uri="smNativeData">
-                <pr:smNativeData xmlns:pr="smNativeData" val="SMDATA_13_9MGoYxMAAAAlAAAAZAAAAA8BAAAAkAAAAEgAAACQAAAASAAAAAAAAAACAAAAAAAAAAEAAABQAAAAAAAAAAAA4D8AAAAAAADgPwAAAAAAAOA/AAAAAAAA4D8AAAAAAADgPwAAAAAAAOA/AAAAAAAA4D8AAAAAAADgPwAAAAAAAOA/AAAAAAAA4D8CAAAAjAAAAAAAAAAAAAAAu+DjDP///wgAAAAAAAAAAAAAAAAAAAAAAAAAAAAAAAAAAAAAZAAAAAEAAABAAAAAAAAAAAAAAAAAAAAAAAAAAAAAAAAAAAAAAAAAAAAAAAAAAAAAAAAAAAAAAAAAAAAAAAAAAAAAAAAAAAAAAAAAAAAAAAAAAAAAAAAAAAAAAAAAAAAAFAAAADwAAAAAAAAAAAAAAAAAAAkUAAAAAQAAABQAAAAUAAAAFAAAAAEAAAAAAAAAZAAAAGQAAAAAAAAAZAAAAGQAAAAVAAAAYAAAAAAAAAAAAAAADwAAACADAAAAAAAAAAAAAAEAAACgMgAAVgcAAKr4//8BAAAAf39/AAEAAABkAAAAAAAAABQAAABAHwAAAAAAACYAAAAAAAAAwOD//wAAAAAmAAAAZAAAABYAAABMAAAAAAAAAAAAAAAEAAAAAAAAAAEAAACAgIAKAAAAACgAAAAoAAAAZAAAAGQAAAAAAAAAzMzMAAAAAABQAAAAUAAAAGQAAABkAAAAAAAAABcAAAAUAAAAAAAAAAAAAAD/fwAA/38AAAAAAAAJAAAABAAAAAAAAAAMAAAAEAAAAAAAAAAAAAAAAAAAAAAAAAAeAAAAaAAAAAAAAAAAAAAAAAAAAAAAAAAAAAAAECcAABAnAAAAAAAAAAAAAAAAAAAAAAAAAAAAAAAAAAAAAAAAAAAAABQAAAAAAAAAwMD/AAAAAABkAAAAMgAAAAAAAABkAAAAAAAAAH9/fwAKAAAAHwAAAFQAAAAAAAAFAAAAAQAAAAAAAAAAAAAAAAAAAAAAAAAAAAAAAAAAAAAAAAAAAAAAAn9/fwAAAAADzMzMAMDA/wB/f38AAAAAAAAAAAAAAAAAAAAAAAAAAAAhAAAAGAAAABQAAADQAgAArgEAAFIVAADUCAAAAAAAACYAAAAIAAAAgYAAAAAAAAA="/>
+                <pr:smNativeData xmlns:pr="smNativeData" val="SMDATA_13_5iCqYxMAAAAlAAAAZAAAAA8BAAAAkAAAAEgAAACQAAAASAAAAAAAAAACAAAAAAAAAAEAAABQAAAAAAAAAAAA4D8AAAAAAADgPwAAAAAAAOA/AAAAAAAA4D8AAAAAAADgPwAAAAAAAOA/AAAAAAAA4D8AAAAAAADgPwAAAAAAAOA/AAAAAAAA4D8CAAAAjAAAAAAAAAAAAAAAu+DjDP///wgAAAAAAAAAAAAAAAAAAAAAAAAAAAAAAAAAAAAAZAAAAAEAAABAAAAAAAAAAAAAAAAAAAAAAAAAAAAAAAAAAAAAAAAAAAAAAAAAAAAAAAAAAAAAAAAAAAAAAAAAAAAAAAAAAAAAAAAAAAAAAAAAAAAAAAAAAAAAAAAAAAAAFAAAADwAAAAAAAAAAAAAAAAAAAkUAAAAAQAAABQAAAAUAAAAFAAAAAEAAAAAAAAAZAAAAGQAAAAAAAAAZAAAAGQAAAAVAAAAYAAAAAAAAAAAAAAADwAAACADAAAAAAAAAAAAAAEAAACgMgAAVgcAAKr4//8BAAAAf39/AAEAAABkAAAAAAAAABQAAABAHwAAAAAAACYAAAAAAAAAwOD//wAAAAAmAAAAZAAAABYAAABMAAAAAAAAAAAAAAAEAAAAAAAAAAEAAACAgIAKAAAAACgAAAAoAAAAZAAAAGQAAAAAAAAAzMzMAAAAAABQAAAAUAAAAGQAAABkAAAAAAAAABcAAAAUAAAAAAAAAAAAAAD/fwAA/38AAAAAAAAJAAAABAAAAAAAAAAMAAAAEAAAAAAAAAAAAAAAAAAAAAAAAAAeAAAAaAAAAAAAAAAAAAAAAAAAAAAAAAAAAAAAECcAABAnAAAAAAAAAAAAAAAAAAAAAAAAAAAAAAAAAAAAAAAAAAAAABQAAAAAAAAAwMD/AAAAAABkAAAAMgAAAAAAAABkAAAAAAAAAH9/fwAKAAAAHwAAAFQAAAAAAAAFAAAAAQAAAAAAAAAAAAAAAAAAAAAAAAAAAAAAAAAAAAAAAAAAAAAAAn9/fwAAAAADzMzMAMDA/wB/f38AAAAAAAAAAAAAAAAAAAAAAAAAAAAhAAAAGAAAABQAAADQAgAArgEAAFIVAADUCAAAEAAAACYAAAAIAAAAgYAAAAAAAAA="/>
               </a:ext>
             </a:extLst>
           </p:cNvSpPr>
@@ -2256,7 +2230,7 @@
             <a:spLocks noGrp="1" noChangeArrowheads="1"/>
             <a:extLst>
               <a:ext uri="smNativeData">
-                <pr:smNativeData xmlns:pr="smNativeData" val="SMDATA_13_9MGoYxMAAAAlAAAAZAAAAA8BAAAAkAAAAEgAAACQAAAASAAAAAAAAAAAAAAAAAAAAAEAAABQAAAAAAAAAAAA4D8AAAAAAADgPwAAAAAAAOA/AAAAAAAA4D8AAAAAAADgPwAAAAAAAOA/AAAAAAAA4D8AAAAAAADgPwAAAAAAAOA/AAAAAAAA4D8CAAAAjAAAAAAAAAAAAAAAu+DjDP///wgAAAAAAAAAAAAAAAAAAAAAAAAAAAAAAAAAAAAAZAAAAAEAAABAAAAAAAAAAAAAAAAAAAAAAAAAAAAAAAAAAAAAAAAAAAAAAAAAAAAAAAAAAAAAAAAAAAAAAAAAAAAAAAAAAAAAAAAAAAAAAAAAAAAAAAAAAAAAAAAAAAAAFAAAADwAAAAAAAAAAAAAAAAAAAkUAAAAAQAAABQAAAAUAAAAFAAAAAEAAAAAAAAAZAAAAGQAAAAAAAAAZAAAAGQAAAAVAAAAYAAAAAAAAAAAAAAADwAAACADAAAAAAAAAAAAAAEAAACgMgAAVgcAAKr4//8BAAAAf39/AAEAAABkAAAAAAAAABQAAABAHwAAAAAAACYAAAAAAAAAwOD//wAAAAAmAAAAZAAAABYAAABMAAAAAAAAAAAAAAAEAAAAAAAAAAEAAACAgIAKAAAAACgAAAAoAAAAZAAAAGQAAAAAAAAAzMzMAAAAAABQAAAAUAAAAGQAAABkAAAAAAAAABcAAAAUAAAAAAAAAAAAAAD/fwAA/38AAAAAAAAJAAAABAAAADIAATMMAAAAEAAAAAAAAAAAAAAAAAAAAAAAAAAeAAAAaAAAAAAAAAAAAAAAAAAAAAAAAAAAAAAAECcAABAnAAAAAAAAAAAAAAAAAAAAAAAAAAAAAAAAAAAAAAAAAAAAABQAAAAAAAAAwMD/AAAAAABkAAAAMgAAAAAAAABkAAAAAAAAAH9/fwAKAAAAHwAAAFQAAAAAAAAFAAAAAQAAAAAAAAAAAAAAAAAAAAAAAAAAAAAAAAAAAAAAAAAAAAAAAn9/fwAAAAADzMzMAMDA/wB/f38AAAAAAAAAAAAAAAAAAAAAAAAAAAAhAAAAGAAAABQAAAD+FQAArgEAAHA1AACwJQAAAAAAACYAAAAIAAAAAYAAAAAAAAA="/>
+                <pr:smNativeData xmlns:pr="smNativeData" val="SMDATA_13_5iCqYxMAAAAlAAAAZAAAAA8BAAAAkAAAAEgAAACQAAAASAAAAAAAAAAAAAAAAAAAAAEAAABQAAAAAAAAAAAA4D8AAAAAAADgPwAAAAAAAOA/AAAAAAAA4D8AAAAAAADgPwAAAAAAAOA/AAAAAAAA4D8AAAAAAADgPwAAAAAAAOA/AAAAAAAA4D8CAAAAjAAAAAAAAAAAAAAAu+DjDP///wgAAAAAAAAAAAAAAAAAAAAAAAAAAAAAAAAAAAAAZAAAAAEAAABAAAAAAAAAAAAAAAAAAAAAAAAAAAAAAAAAAAAAAAAAAAAAAAAAAAAAAAAAAAAAAAAAAAAAAAAAAAAAAAAAAAAAAAAAAAAAAAAAAAAAAAAAAAAAAAAAAAAAFAAAADwAAAAAAAAAAAAAAAAAAAkUAAAAAQAAABQAAAAUAAAAFAAAAAEAAAAAAAAAZAAAAGQAAAAAAAAAZAAAAGQAAAAVAAAAYAAAAAAAAAAAAAAADwAAACADAAAAAAAAAAAAAAEAAACgMgAAVgcAAKr4//8BAAAAf39/AAEAAABkAAAAAAAAABQAAABAHwAAAAAAACYAAAAAAAAAwOD//wAAAAAmAAAAZAAAABYAAABMAAAAAAAAAAAAAAAEAAAAAAAAAAEAAACAgIAKAAAAACgAAAAoAAAAZAAAAGQAAAAAAAAAzMzMAAAAAABQAAAAUAAAAGQAAABkAAAAAAAAABcAAAAUAAAAAAAAAAAAAAD/fwAA/38AAAAAAAAJAAAABAAAADIAATMMAAAAEAAAAAAAAAAAAAAAAAAAAAAAAAAeAAAAaAAAAAAAAAAAAAAAAAAAAAAAAAAAAAAAECcAABAnAAAAAAAAAAAAAAAAAAAAAAAAAAAAAAAAAAAAAAAAAAAAABQAAAAAAAAAwMD/AAAAAABkAAAAMgAAAAAAAABkAAAAAAAAAH9/fwAKAAAAHwAAAFQAAAAAAAAFAAAAAQAAAAAAAAAAAAAAAAAAAAAAAAAAAAAAAAAAAAAAAAAAAAAAAn9/fwAAAAADzMzMAMDA/wB/f38AAAAAAAAAAAAAAAAAAAAAAAAAAAAhAAAAGAAAABQAAAD+FQAArgEAAHA1AACwJQAAEAAAACYAAAAIAAAAAYAAAAAAAAA="/>
               </a:ext>
             </a:extLst>
           </p:cNvSpPr>
@@ -2340,12 +2314,12 @@
             <a:spLocks noGrp="1" noChangeArrowheads="1"/>
             <a:extLst>
               <a:ext uri="smNativeData">
-                <pr:smNativeData xmlns:pr="smNativeData" val="SMDATA_13_9MGoYxMAAAAlAAAAZAAAAA8BAAAAkAAAAEgAAACQAAAASAAAAAAAAAAAAAAAAAAAAAEAAABQAAAAAAAAAAAA4D8AAAAAAADgPwAAAAAAAOA/AAAAAAAA4D8AAAAAAADgPwAAAAAAAOA/AAAAAAAA4D8AAAAAAADgPwAAAAAAAOA/AAAAAAAA4D8CAAAAjAAAAAAAAAAAAAAAu+DjDP///wgAAAAAAAAAAAAAAAAAAAAAAAAAAAAAAAAAAAAAZAAAAAEAAABAAAAAAAAAAAAAAAAAAAAAAAAAAAAAAAAAAAAAAAAAAAAAAAAAAAAAAAAAAAAAAAAAAAAAAAAAAAAAAAAAAAAAAAAAAAAAAAAAAAAAAAAAAAAAAAAAAAAAFAAAADwAAAAAAAAAAAAAAAAAAAkUAAAAAQAAABQAAAAUAAAAFAAAAAEAAAAAAAAAZAAAAGQAAAAAAAAAZAAAAGQAAAAVAAAAYAAAAAAAAAAAAAAADwAAACADAAAAAAAAAAAAAAEAAACgMgAAVgcAAKr4//8BAAAAf39/AAEAAABkAAAAAAAAABQAAABAHwAAAAAAACYAAAAAAAAAwOD//wAAAAAmAAAAZAAAABYAAABMAAAAAAAAAAAAAAAEAAAAAAAAAAEAAACAgIAKAAAAACgAAAAoAAAAZAAAAGQAAAAAAAAAzMzMAAAAAABQAAAAUAAAAGQAAABkAAAAAAAAABcAAAAUAAAAAAAAAAAAAAD/fwAA/38AAAAAAAAJAAAABAAAAGQAAAAMAAAAEAAAAAAAAAAAAAAAAAAAAAAAAAAeAAAAaAAAAAAAAAAAAAAAAAAAAAAAAAAAAAAAECcAABAnAAAAAAAAAAAAAAAAAAAAAAAAAAAAAAAAAAAAAAAAAAAAABQAAAAAAAAAwMD/AAAAAABkAAAAMgAAAAAAAABkAAAAAAAAAH9/fwAKAAAAHwAAAFQAAAAAAAAFAAAAAQAAAAAAAAAAAAAAAAAAAAAAAAAAAAAAAAAAAAAAAAAAAAAAAn9/fwAAAAADzMzMAMDA/wB/f38AAAAAAAAAAAAAAAAAAAAAAAAAAAAhAAAAGAAAABQAAADQAgAA1AgAAFIVAACwJQAAAAAAACYAAAAIAAAAAYAAAAAAAAA="/>
-              </a:ext>
-            </a:extLst>
-          </p:cNvSpPr>
-          <p:nvPr>
-            <p:ph sz="half" idx="2"/>
+                <pr:smNativeData xmlns:pr="smNativeData" val="SMDATA_13_5iCqYxMAAAAlAAAAZAAAAA8BAAAAkAAAAEgAAACQAAAASAAAAAAAAAAAAAAAAAAAAAEAAABQAAAAAAAAAAAA4D8AAAAAAADgPwAAAAAAAOA/AAAAAAAA4D8AAAAAAADgPwAAAAAAAOA/AAAAAAAA4D8AAAAAAADgPwAAAAAAAOA/AAAAAAAA4D8CAAAAjAAAAAAAAAAAAAAAu+DjDP///wgAAAAAAAAAAAAAAAAAAAAAAAAAAAAAAAAAAAAAZAAAAAEAAABAAAAAAAAAAAAAAAAAAAAAAAAAAAAAAAAAAAAAAAAAAAAAAAAAAAAAAAAAAAAAAAAAAAAAAAAAAAAAAAAAAAAAAAAAAAAAAAAAAAAAAAAAAAAAAAAAAAAAFAAAADwAAAAAAAAAAAAAAAAAAAkUAAAAAQAAABQAAAAUAAAAFAAAAAEAAAAAAAAAZAAAAGQAAAAAAAAAZAAAAGQAAAAVAAAAYAAAAAAAAAAAAAAADwAAACADAAAAAAAAAAAAAAEAAACgMgAAVgcAAKr4//8BAAAAf39/AAEAAABkAAAAAAAAABQAAABAHwAAAAAAACYAAAAAAAAAwOD//wAAAAAmAAAAZAAAABYAAABMAAAAAAAAAAAAAAAEAAAAAAAAAAEAAACAgIAKAAAAACgAAAAoAAAAZAAAAGQAAAAAAAAAzMzMAAAAAABQAAAAUAAAAGQAAABkAAAAAAAAABcAAAAUAAAAAAAAAAAAAAD/fwAA/38AAAAAAAAJAAAABAAAAGQAAAAMAAAAEAAAAAAAAAAAAAAAAAAAAAAAAAAeAAAAaAAAAAAAAAAAAAAAAAAAAAAAAAAAAAAAECcAABAnAAAAAAAAAAAAAAAAAAAAAAAAAAAAAAAAAAAAAAAAAAAAABQAAAAAAAAAwMD/AAAAAABkAAAAMgAAAAAAAABkAAAAAAAAAH9/fwAKAAAAHwAAAFQAAAAAAAAFAAAAAQAAAAAAAAAAAAAAAAAAAAAAAAAAAAAAAAAAAAAAAAAAAAAAAn9/fwAAAAADzMzMAMDA/wB/f38AAAAAAAAAAAAAAAAAAAAAAAAAAAAhAAAAGAAAABQAAADQAgAA1AgAAFIVAACwJQAAEAAAACYAAAAIAAAAAYAAAAAAAAA="/>
+              </a:ext>
+            </a:extLst>
+          </p:cNvSpPr>
+          <p:nvPr>
+            <p:ph idx="2"/>
           </p:nvPr>
         </p:nvSpPr>
         <p:spPr>
@@ -2409,7 +2383,7 @@
             <a:spLocks noGrp="1" noChangeArrowheads="1"/>
             <a:extLst>
               <a:ext uri="smNativeData">
-                <pr:smNativeData xmlns:pr="smNativeData" val="SMDATA_13_9MGoYxMAAAAlAAAAZAAAAA8BAAAAkAAAAEgAAACQAAAASAAAAAAAAAABAAAAAAAAAAEAAABQAAAAAAAAAAAA4D8AAAAAAADgPwAAAAAAAOA/AAAAAAAA4D8AAAAAAADgPwAAAAAAAOA/AAAAAAAA4D8AAAAAAADgPwAAAAAAAOA/AAAAAAAA4D8CAAAAjAAAAAAAAAAAAAAAu+DjDP///wgAAAAAAAAAAAAAAAAAAAAAAAAAAAAAAAAAAAAAZAAAAAEAAABAAAAAAAAAAAAAAAAAAAAAAAAAAAAAAAAAAAAAAAAAAAAAAAAAAAAAAAAAAAAAAAAAAAAAAAAAAAAAAAAAAAAAAAAAAAAAAAAAAAAAAAAAAAAAAAAAAAAAFAAAADwAAAAAAAAAAAAAAAAAAAkUAAAAAQAAABQAAAAUAAAAFAAAAAEAAAAAAAAAZAAAAGQAAAAAAAAAZAAAAGQAAAAVAAAAYAAAAAAAAAAAAAAADwAAACADAAAAAAAAAAAAAAEAAACgMgAAVgcAAKr4//8BAAAAf39/AAEAAABkAAAAAAAAABQAAABAHwAAAAAAACYAAAAAAAAAwOD//wAAAAAmAAAAZAAAABYAAABMAAAAAAAAAAAAAAAEAAAAAAAAAAEAAACAgIAKAAAAACgAAAAoAAAAZAAAAGQAAAAAAAAAzMzMAAAAAABQAAAAUAAAAGQAAABkAAAAAAAAABcAAAAUAAAAAAAAAAAAAAD/fwAA/38AAAAAAAAJAAAABAAAAAAAAAAMAAAAEAAAAAAAAAAAAAAAAAAAAAAAAAAeAAAAaAAAAAAAAAAAAAAAAAAAAAAAAAAAAAAAECcAABAnAAAAAAAAAAAAAAAAAAAAAAAAAAAAAAAAAAAAAAAAAAAAABQAAAAAAAAAwMD/AAAAAABkAAAAMgAAAAAAAABkAAAAAAAAAH9/fwAKAAAAHwAAAFQAAAAAAAAFAAAAAQAAAAAAAAAAAAAAAAAAAAAAAAAAAAAAAAAAAAAAAAAAAAAAAn9/fwAAAAADzMzMAMDA/wB/f38AAAAAAAAAAAAAAAAAAAAAAAAAAAAhAAAAGAAAABQAAADQAgAAGycAAPAPAABZKQAAAAAAACYAAAAIAAAAAAAAAAAAAAA="/>
+                <pr:smNativeData xmlns:pr="smNativeData" val="SMDATA_13_5iCqYxMAAAAlAAAAZAAAAA8BAAAAkAAAAEgAAACQAAAASAAAAAAAAAABAAAAAAAAAAEAAABQAAAAAAAAAAAA4D8AAAAAAADgPwAAAAAAAOA/AAAAAAAA4D8AAAAAAADgPwAAAAAAAOA/AAAAAAAA4D8AAAAAAADgPwAAAAAAAOA/AAAAAAAA4D8CAAAAjAAAAAAAAAAAAAAAu+DjDP///wgAAAAAAAAAAAAAAAAAAAAAAAAAAAAAAAAAAAAAZAAAAAEAAABAAAAAAAAAAAAAAAAAAAAAAAAAAAAAAAAAAAAAAAAAAAAAAAAAAAAAAAAAAAAAAAAAAAAAAAAAAAAAAAAAAAAAAAAAAAAAAAAAAAAAAAAAAAAAAAAAAAAAFAAAADwAAAAAAAAAAAAAAAAAAAkUAAAAAQAAABQAAAAUAAAAFAAAAAEAAAAAAAAAZAAAAGQAAAAAAAAAZAAAAGQAAAAVAAAAYAAAAAAAAAAAAAAADwAAACADAAAAAAAAAAAAAAEAAACgMgAAVgcAAKr4//8BAAAAf39/AAEAAABkAAAAAAAAABQAAABAHwAAAAAAACYAAAAAAAAAwOD//wAAAAAmAAAAZAAAABYAAABMAAAAAAAAAAAAAAAEAAAAAAAAAAEAAACAgIAKAAAAACgAAAAoAAAAZAAAAGQAAAAAAAAAzMzMAAAAAABQAAAAUAAAAGQAAABkAAAAAAAAABcAAAAUAAAAAAAAAAAAAAD/fwAA/38AAAAAAAAJAAAABAAAAAAAAAAMAAAAEAAAAAAAAAAAAAAAAAAAAAAAAAAeAAAAaAAAAAAAAAAAAAAAAAAAAAAAAAAAAAAAECcAABAnAAAAAAAAAAAAAAAAAAAAAAAAAAAAAAAAAAAAAAAAAAAAABQAAAAAAAAAwMD/AAAAAABkAAAAMgAAAAAAAABkAAAAAAAAAH9/fwAKAAAAHwAAAFQAAAAAAAAFAAAAAQAAAAAAAAAAAAAAAAAAAAAAAAAAAAAAAAAAAAAAAAAAAAAAAn9/fwAAAAADzMzMAMDA/wB/f38AAAAAAAAAAAAAAAAAAAAAAAAAAAAhAAAAGAAAABQAAADQAgAAGycAAPAPAABZKQAAEAAAACYAAAAIAAAAAAAAAAAAAAA="/>
               </a:ext>
             </a:extLst>
           </p:cNvSpPr>
@@ -2423,7 +2397,7 @@
           <a:lstStyle/>
           <a:p>
             <a:pPr/>
-            <a:fld id="{2BE42B73-3DC6-B1DD-885C-CB8865127E9E}" type="datetime1">
+            <a:fld id="{2683CB99-D7CB-D63D-853B-216885757374}" type="datetime1">
               <a:t/>
             </a:fld>
           </a:p>
@@ -2436,7 +2410,7 @@
             <a:spLocks noGrp="1" noChangeArrowheads="1"/>
             <a:extLst>
               <a:ext uri="smNativeData">
-                <pr:smNativeData xmlns:pr="smNativeData" val="SMDATA_13_9MGoYxMAAAAlAAAAZAAAAA8BAAAAkAAAAEgAAACQAAAASAAAAAAAAAABAAAAAAAAAAEAAABQAAAAAAAAAAAA4D8AAAAAAADgPwAAAAAAAOA/AAAAAAAA4D8AAAAAAADgPwAAAAAAAOA/AAAAAAAA4D8AAAAAAADgPwAAAAAAAOA/AAAAAAAA4D8CAAAAjAAAAAAAAAAAAAAAu+DjDP///wgAAAAAAAAAAAAAAAAAAAAAAAAAAAAAAAAAAAAAZAAAAAEAAABAAAAAAAAAAAAAAAAAAAAAAAAAAAAAAAAAAAAAAAAAAAAAAAAAAAAAAAAAAAAAAAAAAAAAAAAAAAAAAAAAAAAAAAAAAAAAAAAAAAAAAAAAAAAAAAAAAAAAFAAAADwAAAAAAAAAAAAAAAAAAAkUAAAAAQAAABQAAAAUAAAAFAAAAAEAAAAAAAAAZAAAAGQAAAAAAAAAZAAAAGQAAAAVAAAAYAAAAAAAAAAAAAAADwAAACADAAAAAAAAAAAAAAEAAACgMgAAVgcAAKr4//8BAAAAf39/AAEAAABkAAAAAAAAABQAAABAHwAAAAAAACYAAAAAAAAAwOD//wAAAAAmAAAAZAAAABYAAABMAAAAAAAAAAAAAAAEAAAAAAAAAAEAAACAgIAKAAAAACgAAAAoAAAAZAAAAGQAAAAAAAAAzMzMAAAAAABQAAAAUAAAAGQAAABkAAAAAAAAABcAAAAUAAAAAAAAAAAAAAD/fwAA/38AAAAAAAAJAAAABAAAAAAAAAAMAAAAEAAAAAAAAAAAAAAAAAAAAAAAAAAeAAAAaAAAAAAAAAAAAAAAAAAAAAAAAAAAAAAAECcAABAnAAAAAAAAAAAAAAAAAAAAAAAAAAAAAAAAAAAAAAAAAAAAABQAAAAAAAAAwMD/AAAAAABkAAAAMgAAAAAAAABkAAAAAAAAAH9/fwAKAAAAHwAAAFQAAAAAAAAFAAAAAQAAAAAAAAAAAAAAAAAAAAAAAAAAAAAAAAAAAAAAAAAAAAAAAn9/fwAAAAADzMzMAMDA/wB/f38AAAAAAAAAAAAAAAAAAAAAAAAAAAAhAAAAGAAAABQAAAA4EwAAGycAAAglAABZKQAAAAAAACYAAAAIAAAAAAAAAAAAAAA="/>
+                <pr:smNativeData xmlns:pr="smNativeData" val="SMDATA_13_5iCqYxMAAAAlAAAAZAAAAA8BAAAAkAAAAEgAAACQAAAASAAAAAAAAAABAAAAAAAAAAEAAABQAAAAAAAAAAAA4D8AAAAAAADgPwAAAAAAAOA/AAAAAAAA4D8AAAAAAADgPwAAAAAAAOA/AAAAAAAA4D8AAAAAAADgPwAAAAAAAOA/AAAAAAAA4D8CAAAAjAAAAAAAAAAAAAAAu+DjDP///wgAAAAAAAAAAAAAAAAAAAAAAAAAAAAAAAAAAAAAZAAAAAEAAABAAAAAAAAAAAAAAAAAAAAAAAAAAAAAAAAAAAAAAAAAAAAAAAAAAAAAAAAAAAAAAAAAAAAAAAAAAAAAAAAAAAAAAAAAAAAAAAAAAAAAAAAAAAAAAAAAAAAAFAAAADwAAAAAAAAAAAAAAAAAAAkUAAAAAQAAABQAAAAUAAAAFAAAAAEAAAAAAAAAZAAAAGQAAAAAAAAAZAAAAGQAAAAVAAAAYAAAAAAAAAAAAAAADwAAACADAAAAAAAAAAAAAAEAAACgMgAAVgcAAKr4//8BAAAAf39/AAEAAABkAAAAAAAAABQAAABAHwAAAAAAACYAAAAAAAAAwOD//wAAAAAmAAAAZAAAABYAAABMAAAAAAAAAAAAAAAEAAAAAAAAAAEAAACAgIAKAAAAACgAAAAoAAAAZAAAAGQAAAAAAAAAzMzMAAAAAABQAAAAUAAAAGQAAABkAAAAAAAAABcAAAAUAAAAAAAAAAAAAAD/fwAA/38AAAAAAAAJAAAABAAAAAAAAAAMAAAAEAAAAAAAAAAAAAAAAAAAAAAAAAAeAAAAaAAAAAAAAAAAAAAAAAAAAAAAAAAAAAAAECcAABAnAAAAAAAAAAAAAAAAAAAAAAAAAAAAAAAAAAAAAAAAAAAAABQAAAAAAAAAwMD/AAAAAABkAAAAMgAAAAAAAABkAAAAAAAAAH9/fwAKAAAAHwAAAFQAAAAAAAAFAAAAAQAAAAAAAAAAAAAAAAAAAAAAAAAAAAAAAAAAAAAAAAAAAAAAAn9/fwAAAAADzMzMAMDA/wB/f38AAAAAAAAAAAAAAAAAAAAAAAAAAAAhAAAAGAAAABQAAAA4EwAAGycAAAglAABZKQAAEAAAACYAAAAIAAAAAAAAAAAAAAA="/>
               </a:ext>
             </a:extLst>
           </p:cNvSpPr>
@@ -2450,9 +2424,6 @@
           <a:lstStyle/>
           <a:p>
             <a:pPr/>
-            <a:r>
-              <a:t/>
-            </a:r>
           </a:p>
         </p:txBody>
       </p:sp>
@@ -2463,7 +2434,7 @@
             <a:spLocks noGrp="1" noChangeArrowheads="1"/>
             <a:extLst>
               <a:ext uri="smNativeData">
-                <pr:smNativeData xmlns:pr="smNativeData" val="SMDATA_13_9MGoYxMAAAAlAAAAZAAAAA8BAAAAkAAAAEgAAACQAAAASAAAAAAAAAABAAAAAAAAAAEAAABQAAAAAAAAAAAA4D8AAAAAAADgPwAAAAAAAOA/AAAAAAAA4D8AAAAAAADgPwAAAAAAAOA/AAAAAAAA4D8AAAAAAADgPwAAAAAAAOA/AAAAAAAA4D8CAAAAjAAAAAAAAAAAAAAAu+DjDP///wgAAAAAAAAAAAAAAAAAAAAAAAAAAAAAAAAAAAAAZAAAAAEAAABAAAAAAAAAAAAAAAAAAAAAAAAAAAAAAAAAAAAAAAAAAAAAAAAAAAAAAAAAAAAAAAAAAAAAAAAAAAAAAAAAAAAAAAAAAAAAAAAAAAAAAAAAAAAAAAAAAAAAFAAAADwAAAAAAAAAAAAAAAAAAAkUAAAAAQAAABQAAAAUAAAAFAAAAAEAAAAAAAAAZAAAAGQAAAAAAAAAZAAAAGQAAAAVAAAAYAAAAAAAAAAAAAAADwAAACADAAAAAAAAAAAAAAEAAACgMgAAVgcAAKr4//8BAAAAf39/AAEAAABkAAAAAAAAABQAAABAHwAAAAAAACYAAAAAAAAAwOD//wAAAAAmAAAAZAAAABYAAABMAAAAAAAAAAAAAAAEAAAAAAAAAAEAAACAgIAKAAAAACgAAAAoAAAAZAAAAGQAAAAAAAAAzMzMAAAAAABQAAAAUAAAAGQAAABkAAAAAAAAABcAAAAUAAAAAAAAAAAAAAD/fwAA/38AAAAAAAAJAAAABAAAAAAAAAAMAAAAEAAAAAAAAAAAAAAAAAAAAAAAAAAeAAAAaAAAAAAAAAAAAAAAAAAAAAAAAAAAAAAAECcAABAnAAAAAAAAAAAAAAAAAAAAAAAAAAAAAAAAAAAAAAAAAAAAABQAAAAAAAAAwMD/AAAAAABkAAAAMgAAAAAAAABkAAAAAAAAAH9/fwAKAAAAHwAAAFQAAAAAAAAFAAAAAQAAAAAAAAAAAAAAAAAAAAAAAAAAAAAAAAAAAAAAAAAAAAAAAn9/fwAAAAADzMzMAMDA/wB/f38AAAAAAAAAAAAAAAAAAAAAAAAAAAAhAAAAGAAAABQAAABQKAAAGycAAHA1AABZKQAAAAAAACYAAAAIAAAAAAAAAAAAAAA="/>
+                <pr:smNativeData xmlns:pr="smNativeData" val="SMDATA_13_5iCqYxMAAAAlAAAAZAAAAA8BAAAAkAAAAEgAAACQAAAASAAAAAAAAAABAAAAAAAAAAEAAABQAAAAAAAAAAAA4D8AAAAAAADgPwAAAAAAAOA/AAAAAAAA4D8AAAAAAADgPwAAAAAAAOA/AAAAAAAA4D8AAAAAAADgPwAAAAAAAOA/AAAAAAAA4D8CAAAAjAAAAAAAAAAAAAAAu+DjDP///wgAAAAAAAAAAAAAAAAAAAAAAAAAAAAAAAAAAAAAZAAAAAEAAABAAAAAAAAAAAAAAAAAAAAAAAAAAAAAAAAAAAAAAAAAAAAAAAAAAAAAAAAAAAAAAAAAAAAAAAAAAAAAAAAAAAAAAAAAAAAAAAAAAAAAAAAAAAAAAAAAAAAAFAAAADwAAAAAAAAAAAAAAAAAAAkUAAAAAQAAABQAAAAUAAAAFAAAAAEAAAAAAAAAZAAAAGQAAAAAAAAAZAAAAGQAAAAVAAAAYAAAAAAAAAAAAAAADwAAACADAAAAAAAAAAAAAAEAAACgMgAAVgcAAKr4//8BAAAAf39/AAEAAABkAAAAAAAAABQAAABAHwAAAAAAACYAAAAAAAAAwOD//wAAAAAmAAAAZAAAABYAAABMAAAAAAAAAAAAAAAEAAAAAAAAAAEAAACAgIAKAAAAACgAAAAoAAAAZAAAAGQAAAAAAAAAzMzMAAAAAABQAAAAUAAAAGQAAABkAAAAAAAAABcAAAAUAAAAAAAAAAAAAAD/fwAA/38AAAAAAAAJAAAABAAAAAAAAAAMAAAAEAAAAAAAAAAAAAAAAAAAAAAAAAAeAAAAaAAAAAAAAAAAAAAAAAAAAAAAAAAAAAAAECcAABAnAAAAAAAAAAAAAAAAAAAAAAAAAAAAAAAAAAAAAAAAAAAAABQAAAAAAAAAwMD/AAAAAABkAAAAMgAAAAAAAABkAAAAAAAAAH9/fwAKAAAAHwAAAFQAAAAAAAAFAAAAAQAAAAAAAAAAAAAAAAAAAAAAAAAAAAAAAAAAAAAAAAAAAAAAAn9/fwAAAAADzMzMAMDA/wB/f38AAAAAAAAAAAAAAAAAAAAAAAAAAAAhAAAAGAAAABQAAABQKAAAGycAAHA1AABZKQAAEAAAACYAAAAIAAAAAAAAAAAAAAA="/>
               </a:ext>
             </a:extLst>
           </p:cNvSpPr>
@@ -2477,7 +2448,7 @@
           <a:lstStyle/>
           <a:p>
             <a:pPr/>
-            <a:fld id="{2BE409C5-8BC6-B1FF-885C-7DAA47127E28}" type="slidenum">
+            <a:fld id="{2683F730-7ECB-D601-853B-8854B97573DD}" type="slidenum">
               <a:t/>
             </a:fld>
           </a:p>
@@ -2515,7 +2486,7 @@
             <a:spLocks noGrp="1" noChangeArrowheads="1"/>
             <a:extLst>
               <a:ext uri="smNativeData">
-                <pr:smNativeData xmlns:pr="smNativeData" val="SMDATA_13_9MGoYxMAAAAlAAAAZAAAAA8BAAAAkAAAAEgAAACQAAAASAAAAAAAAAACAAAAAAAAAAEAAABQAAAAAAAAAAAA4D8AAAAAAADgPwAAAAAAAOA/AAAAAAAA4D8AAAAAAADgPwAAAAAAAOA/AAAAAAAA4D8AAAAAAADgPwAAAAAAAOA/AAAAAAAA4D8CAAAAjAAAAAAAAAAAAAAAu+DjDP///wgAAAAAAAAAAAAAAAAAAAAAAAAAAAAAAAAAAAAAZAAAAAEAAABAAAAAAAAAAAAAAAAAAAAAAAAAAAAAAAAAAAAAAAAAAAAAAAAAAAAAAAAAAAAAAAAAAAAAAAAAAAAAAAAAAAAAAAAAAAAAAAAAAAAAAAAAAAAAAAAAAAAAFAAAADwAAAAAAAAAAAAAAAAAAAkUAAAAAQAAABQAAAAUAAAAFAAAAAEAAAAAAAAAZAAAAGQAAAAAAAAAZAAAAGQAAAAVAAAAYAAAAAAAAAAAAAAADwAAACADAAAAAAAAAAAAAAEAAACgMgAAVgcAAKr4//8BAAAAf39/AAEAAABkAAAAAAAAABQAAABAHwAAAAAAACYAAAAAAAAAwOD//wAAAAAmAAAAZAAAABYAAABMAAAAAAAAAAAAAAAEAAAAAAAAAAEAAACAgIAKAAAAACgAAAAoAAAAZAAAAGQAAAAAAAAAzMzMAAAAAABQAAAAUAAAAGQAAABkAAAAAAAAABcAAAAUAAAAAAAAAAAAAAD/fwAA/38AAAAAAAAJAAAABAAAAH9/fwAMAAAAEAAAAAAAAAAAAAAAAAAAAAAAAAAeAAAAaAAAAAAAAAAAAAAAAAAAAAAAAAAAAAAAECcAABAnAAAAAAAAAAAAAAAAAAAAAAAAAAAAAAAAAAAAAAAAAAAAABQAAAAAAAAAwMD/AAAAAABkAAAAMgAAAAAAAABkAAAAAAAAAH9/fwAKAAAAHwAAAFQAAAAAAAAFAAAAAQAAAAAAAAAAAAAAAAAAAAAAAAAAAAAAAAAAAAAAAAAAAAAAAn9/fwAAAAADzMzMAMDA/wB/f38AAAAAAAAAAAAAAAAAAAAAAAAAAAAhAAAAGAAAABQAAAAGCwAAiB0AAMYsAAAEIQAAAAAAACYAAAAIAAAAgYAAAAAAAAA="/>
+                <pr:smNativeData xmlns:pr="smNativeData" val="SMDATA_13_5iCqYxMAAAAlAAAAZAAAAA8BAAAAkAAAAEgAAACQAAAASAAAAAAAAAACAAAAAAAAAAEAAABQAAAAAAAAAAAA4D8AAAAAAADgPwAAAAAAAOA/AAAAAAAA4D8AAAAAAADgPwAAAAAAAOA/AAAAAAAA4D8AAAAAAADgPwAAAAAAAOA/AAAAAAAA4D8CAAAAjAAAAAAAAAAAAAAAu+DjDP///wgAAAAAAAAAAAAAAAAAAAAAAAAAAAAAAAAAAAAAZAAAAAEAAABAAAAAAAAAAAAAAAAAAAAAAAAAAAAAAAAAAAAAAAAAAAAAAAAAAAAAAAAAAAAAAAAAAAAAAAAAAAAAAAAAAAAAAAAAAAAAAAAAAAAAAAAAAAAAAAAAAAAAFAAAADwAAAAAAAAAAAAAAAAAAAkUAAAAAQAAABQAAAAUAAAAFAAAAAEAAAAAAAAAZAAAAGQAAAAAAAAAZAAAAGQAAAAVAAAAYAAAAAAAAAAAAAAADwAAACADAAAAAAAAAAAAAAEAAACgMgAAVgcAAKr4//8BAAAAf39/AAEAAABkAAAAAAAAABQAAABAHwAAAAAAACYAAAAAAAAAwOD//wAAAAAmAAAAZAAAABYAAABMAAAAAAAAAAAAAAAEAAAAAAAAAAEAAACAgIAKAAAAACgAAAAoAAAAZAAAAGQAAAAAAAAAzMzMAAAAAABQAAAAUAAAAGQAAABkAAAAAAAAABcAAAAUAAAAAAAAAAAAAAD/fwAA/38AAAAAAAAJAAAABAAAAH9/fwAMAAAAEAAAAAAAAAAAAAAAAAAAAAAAAAAeAAAAaAAAAAAAAAAAAAAAAAAAAAAAAAAAAAAAECcAABAnAAAAAAAAAAAAAAAAAAAAAAAAAAAAAAAAAAAAAAAAAAAAABQAAAAAAAAAwMD/AAAAAABkAAAAMgAAAAAAAABkAAAAAAAAAH9/fwAKAAAAHwAAAFQAAAAAAAAFAAAAAQAAAAAAAAAAAAAAAAAAAAAAAAAAAAAAAAAAAAAAAAAAAAAAAn9/fwAAAAADzMzMAMDA/wB/f38AAAAAAAAAAAAAAAAAAAAAAAAAAAAhAAAAGAAAABQAAAAGCwAAiB0AAMYsAAAEIQAAEAAAACYAAAAIAAAAgYAAAAAAAAA="/>
               </a:ext>
             </a:extLst>
           </p:cNvSpPr>
@@ -2555,7 +2526,7 @@
             <a:spLocks noGrp="1" noChangeArrowheads="1"/>
             <a:extLst>
               <a:ext uri="smNativeData">
-                <pr:smNativeData xmlns:pr="smNativeData" val="SMDATA_13_9MGoYxMAAAAlAAAAZAAAAA8BAAAAkAAAAEgAAACQAAAASAAAAAAAAAAAAAAAAAAAAAEAAABQAAAAAAAAAAAA4D8AAAAAAADgPwAAAAAAAOA/AAAAAAAA4D8AAAAAAADgPwAAAAAAAOA/AAAAAAAA4D8AAAAAAADgPwAAAAAAAOA/AAAAAAAA4D8CAAAAjAAAAAAAAAAAAAAAu+DjDP///wgAAAAAAAAAAAAAAAAAAAAAAAAAAAAAAAAAAAAAZAAAAAEAAABAAAAAAAAAAAAAAAAAAAAAAAAAAAAAAAAAAAAAAAAAAAAAAAAAAAAAAAAAAAAAAAAAAAAAAAAAAAAAAAAAAAAAAAAAAAAAAAAAAAAAAAAAAAAAAAAAAAAAFAAAADwAAAAAAAAAAAAAAAAAAAkUAAAAAQAAABQAAAAUAAAAFAAAAAEAAAAAAAAAZAAAAGQAAAAAAAAAZAAAAGQAAAAVAAAAYAAAAAAAAAAAAAAADwAAACADAAAAAAAAAAAAAAEAAACgMgAAVgcAAKr4//8BAAAAf39/AAEAAABkAAAAAAAAABQAAABAHwAAAAAAACYAAAAAAAAAwOD//wAAAAAmAAAAZAAAABYAAABMAAAAAAAAAAAAAAAEAAAAAAAAAAEAAACAgIAKAAAAACgAAAAoAAAAZAAAAGQAAAAAAAAAzMzMAAAAAABQAAAAUAAAAGQAAABkAAAAAAAAABcAAAAUAAAAAAAAAAAAAAD/fwAA/38AAAAAAAAJAAAABAAAAAAAAAAMAAAAEAAAAAAAAAAAAAAAAAAAAAAAAAAeAAAAaAAAAAAAAAAAAAAAAAAAAAAAAAAAAAAAECcAABAnAAAAAAAAAAAAAAAAAAAAAAAAAAAAAAAAAAAAAAAAAAAAABQAAAAAAAAAwMD/AAAAAABkAAAAMgAAAAAAAABkAAAAAAAAAH9/fwAKAAAAHwAAAFQAAAAAAAAFAAAAAQAAAAAAAAAAAAAAAAAAAAAAAAAAAAAAAAAAAAAAAAAAAAAAAn9/fwAAAAADzMzMAMDA/wB/f38AAAAAAAAAAAAAAAAAAAAAAAAAAAAhAAAAGAAAABQAAAAGCwAAxgMAAMYsAAAWHQAAAAAAACYAAAAIAAAAAYAAAAAAAAA="/>
+                <pr:smNativeData xmlns:pr="smNativeData" val="SMDATA_13_5iCqYxMAAAAlAAAAZAAAAA8BAAAAkAAAAEgAAACQAAAASAAAAAAAAAAAAAAAAAAAAAEAAABQAAAAAAAAAAAA4D8AAAAAAADgPwAAAAAAAOA/AAAAAAAA4D8AAAAAAADgPwAAAAAAAOA/AAAAAAAA4D8AAAAAAADgPwAAAAAAAOA/AAAAAAAA4D8CAAAAjAAAAAAAAAAAAAAAu+DjDP///wgAAAAAAAAAAAAAAAAAAAAAAAAAAAAAAAAAAAAAZAAAAAEAAABAAAAAAAAAAAAAAAAAAAAAAAAAAAAAAAAAAAAAAAAAAAAAAAAAAAAAAAAAAAAAAAAAAAAAAAAAAAAAAAAAAAAAAAAAAAAAAAAAAAAAAAAAAAAAAAAAAAAAFAAAADwAAAAAAAAAAAAAAAAAAAkUAAAAAQAAABQAAAAUAAAAFAAAAAEAAAAAAAAAZAAAAGQAAAAAAAAAZAAAAGQAAAAVAAAAYAAAAAAAAAAAAAAADwAAACADAAAAAAAAAAAAAAEAAACgMgAAVgcAAKr4//8BAAAAf39/AAEAAABkAAAAAAAAABQAAABAHwAAAAAAACYAAAAAAAAAwOD//wAAAAAmAAAAZAAAABYAAABMAAAAAAAAAAAAAAAEAAAAAAAAAAEAAACAgIAKAAAAACgAAAAoAAAAZAAAAGQAAAAAAAAAzMzMAAAAAABQAAAAUAAAAGQAAABkAAAAAAAAABcAAAAUAAAAAAAAAAAAAAD/fwAA/38AAAAAAAAJAAAABAAAAAAAAAAMAAAAEAAAAAAAAAAAAAAAAAAAAAAAAAAeAAAAaAAAAAAAAAAAAAAAAAAAAAAAAAAAAAAAECcAABAnAAAAAAAAAAAAAAAAAAAAAAAAAAAAAAAAAAAAAAAAAAAAABQAAAAAAAAAwMD/AAAAAABkAAAAMgAAAAAAAABkAAAAAAAAAH9/fwAKAAAAHwAAAFQAAAAAAAAFAAAAAQAAAAAAAAAAAAAAAAAAAAAAAAAAAAAAAAAAAAAAAAAAAAAAAn9/fwAAAAADzMzMAMDA/wB/f38AAAAAAAAAAAAAAAAAAAAAAAAAAAAhAAAAGAAAABQAAAAGCwAAxgMAAMYsAAAWHQAAEAAAACYAAAAIAAAAAYAAAAAAAAA="/>
               </a:ext>
             </a:extLst>
           </p:cNvSpPr>
@@ -2624,12 +2595,12 @@
             <a:spLocks noGrp="1" noChangeArrowheads="1"/>
             <a:extLst>
               <a:ext uri="smNativeData">
-                <pr:smNativeData xmlns:pr="smNativeData" val="SMDATA_13_9MGoYxMAAAAlAAAAZAAAAA8BAAAAkAAAAEgAAACQAAAASAAAAAAAAAAAAAAAAAAAAAEAAABQAAAAAAAAAAAA4D8AAAAAAADgPwAAAAAAAOA/AAAAAAAA4D8AAAAAAADgPwAAAAAAAOA/AAAAAAAA4D8AAAAAAADgPwAAAAAAAOA/AAAAAAAA4D8CAAAAjAAAAAAAAAAAAAAAu+DjDP///wgAAAAAAAAAAAAAAAAAAAAAAAAAAAAAAAAAAAAAZAAAAAEAAABAAAAAAAAAAAAAAAAAAAAAAAAAAAAAAAAAAAAAAAAAAAAAAAAAAAAAAAAAAAAAAAAAAAAAAAAAAAAAAAAAAAAAAAAAAAAAAAAAAAAAAAAAAAAAAAAAAAAAFAAAADwAAAAAAAAAAAAAAAAAAAkUAAAAAQAAABQAAAAUAAAAFAAAAAEAAAAAAAAAZAAAAGQAAAAAAAAAZAAAAGQAAAAVAAAAYAAAAAAAAAAAAAAADwAAACADAAAAAAAAAAAAAAEAAACgMgAAVgcAAKr4//8BAAAAf39/AAEAAABkAAAAAAAAABQAAABAHwAAAAAAACYAAAAAAAAAwOD//wAAAAAmAAAAZAAAABYAAABMAAAAAAAAAAAAAAAEAAAAAAAAAAEAAACAgIAKAAAAACgAAAAoAAAAZAAAAGQAAAAAAAAAzMzMAAAAAABQAAAAUAAAAGQAAABkAAAAAAAAABcAAAAUAAAAAAAAAAAAAAD/fwAA/38AAAAAAAAJAAAABAAAAAAAAAAMAAAAEAAAAAAAAAAAAAAAAAAAAAAAAAAeAAAAaAAAAAAAAAAAAAAAAAAAAAAAAAAAAAAAECcAABAnAAAAAAAAAAAAAAAAAAAAAAAAAAAAAAAAAAAAAAAAAAAAABQAAAAAAAAAwMD/AAAAAABkAAAAMgAAAAAAAABkAAAAAAAAAH9/fwAKAAAAHwAAAFQAAAAAAAAFAAAAAQAAAAAAAAAAAAAAAAAAAAAAAAAAAAAAAAAAAAAAAAAAAAAAAn9/fwAAAAADzMzMAMDA/wB/f38AAAAAAAAAAAAAAAAAAAAAAAAAAAAhAAAAGAAAABQAAAAGCwAABCEAAMYsAAD4JQAAAAAAACYAAAAIAAAAAYAAAAAAAAA="/>
-              </a:ext>
-            </a:extLst>
-          </p:cNvSpPr>
-          <p:nvPr>
-            <p:ph sz="half" idx="2"/>
+                <pr:smNativeData xmlns:pr="smNativeData" val="SMDATA_13_5iCqYxMAAAAlAAAAZAAAAA8BAAAAkAAAAEgAAACQAAAASAAAAAAAAAAAAAAAAAAAAAEAAABQAAAAAAAAAAAA4D8AAAAAAADgPwAAAAAAAOA/AAAAAAAA4D8AAAAAAADgPwAAAAAAAOA/AAAAAAAA4D8AAAAAAADgPwAAAAAAAOA/AAAAAAAA4D8CAAAAjAAAAAAAAAAAAAAAu+DjDP///wgAAAAAAAAAAAAAAAAAAAAAAAAAAAAAAAAAAAAAZAAAAAEAAABAAAAAAAAAAAAAAAAAAAAAAAAAAAAAAAAAAAAAAAAAAAAAAAAAAAAAAAAAAAAAAAAAAAAAAAAAAAAAAAAAAAAAAAAAAAAAAAAAAAAAAAAAAAAAAAAAAAAAFAAAADwAAAAAAAAAAAAAAAAAAAkUAAAAAQAAABQAAAAUAAAAFAAAAAEAAAAAAAAAZAAAAGQAAAAAAAAAZAAAAGQAAAAVAAAAYAAAAAAAAAAAAAAADwAAACADAAAAAAAAAAAAAAEAAACgMgAAVgcAAKr4//8BAAAAf39/AAEAAABkAAAAAAAAABQAAABAHwAAAAAAACYAAAAAAAAAwOD//wAAAAAmAAAAZAAAABYAAABMAAAAAAAAAAAAAAAEAAAAAAAAAAEAAACAgIAKAAAAACgAAAAoAAAAZAAAAGQAAAAAAAAAzMzMAAAAAABQAAAAUAAAAGQAAABkAAAAAAAAABcAAAAUAAAAAAAAAAAAAAD/fwAA/38AAAAAAAAJAAAABAAAAAAAAAAMAAAAEAAAAAAAAAAAAAAAAAAAAAAAAAAeAAAAaAAAAAAAAAAAAAAAAAAAAAAAAAAAAAAAECcAABAnAAAAAAAAAAAAAAAAAAAAAAAAAAAAAAAAAAAAAAAAAAAAABQAAAAAAAAAwMD/AAAAAABkAAAAMgAAAAAAAABkAAAAAAAAAH9/fwAKAAAAHwAAAFQAAAAAAAAFAAAAAQAAAAAAAAAAAAAAAAAAAAAAAAAAAAAAAAAAAAAAAAAAAAAAAn9/fwAAAAADzMzMAMDA/wB/f38AAAAAAAAAAAAAAAAAAAAAAAAAAAAhAAAAGAAAABQAAAAGCwAABCEAAMYsAAD4JQAAEAAAACYAAAAIAAAAAYAAAAAAAAA="/>
+              </a:ext>
+            </a:extLst>
+          </p:cNvSpPr>
+          <p:nvPr>
+            <p:ph idx="2"/>
           </p:nvPr>
         </p:nvSpPr>
         <p:spPr>
@@ -2693,7 +2664,7 @@
             <a:spLocks noGrp="1" noChangeArrowheads="1"/>
             <a:extLst>
               <a:ext uri="smNativeData">
-                <pr:smNativeData xmlns:pr="smNativeData" val="SMDATA_13_9MGoYxMAAAAlAAAAZAAAAA8BAAAAkAAAAEgAAACQAAAASAAAAAAAAAABAAAAAAAAAAEAAABQAAAAAAAAAAAA4D8AAAAAAADgPwAAAAAAAOA/AAAAAAAA4D8AAAAAAADgPwAAAAAAAOA/AAAAAAAA4D8AAAAAAADgPwAAAAAAAOA/AAAAAAAA4D8CAAAAjAAAAAAAAAAAAAAAu+DjDP///wgAAAAAAAAAAAAAAAAAAAAAAAAAAAAAAAAAAAAAZAAAAAEAAABAAAAAAAAAAAAAAAAAAAAAAAAAAAAAAAAAAAAAAAAAAAAAAAAAAAAAAAAAAAAAAAAAAAAAAAAAAAAAAAAAAAAAAAAAAAAAAAAAAAAAAAAAAAAAAAAAAAAAFAAAADwAAAAAAAAAAAAAAAAAAAkUAAAAAQAAABQAAAAUAAAAFAAAAAEAAAAAAAAAZAAAAGQAAAAAAAAAZAAAAGQAAAAVAAAAYAAAAAAAAAAAAAAADwAAACADAAAAAAAAAAAAAAEAAACgMgAAVgcAAKr4//8BAAAAf39/AAEAAABkAAAAAAAAABQAAABAHwAAAAAAACYAAAAAAAAAwOD//wAAAAAmAAAAZAAAABYAAABMAAAAAAAAAAAAAAAEAAAAAAAAAAEAAACAgIAKAAAAACgAAAAoAAAAZAAAAGQAAAAAAAAAzMzMAAAAAABQAAAAUAAAAGQAAABkAAAAAAAAABcAAAAUAAAAAAAAAAAAAAD/fwAA/38AAAAAAAAJAAAABAAAAAAAAAAMAAAAEAAAAAAAAAAAAAAAAAAAAAAAAAAeAAAAaAAAAAAAAAAAAAAAAAAAAAAAAAAAAAAAECcAABAnAAAAAAAAAAAAAAAAAAAAAAAAAAAAAAAAAAAAAAAAAAAAABQAAAAAAAAAwMD/AAAAAABkAAAAMgAAAAAAAABkAAAAAAAAAH9/fwAKAAAAHwAAAFQAAAAAAAAFAAAAAQAAAAAAAAAAAAAAAAAAAAAAAAAAAAAAAAAAAAAAAAAAAAAAAn9/fwAAAAADzMzMAMDA/wB/f38AAAAAAAAAAAAAAAAAAAAAAAAAAAAhAAAAGAAAABQAAADQAgAAGycAAPAPAABZKQAAAAAAACYAAAAIAAAAAAAAAAAAAAA="/>
+                <pr:smNativeData xmlns:pr="smNativeData" val="SMDATA_13_5iCqYxMAAAAlAAAAZAAAAA8BAAAAkAAAAEgAAACQAAAASAAAAAAAAAABAAAAAAAAAAEAAABQAAAAAAAAAAAA4D8AAAAAAADgPwAAAAAAAOA/AAAAAAAA4D8AAAAAAADgPwAAAAAAAOA/AAAAAAAA4D8AAAAAAADgPwAAAAAAAOA/AAAAAAAA4D8CAAAAjAAAAAAAAAAAAAAAu+DjDP///wgAAAAAAAAAAAAAAAAAAAAAAAAAAAAAAAAAAAAAZAAAAAEAAABAAAAAAAAAAAAAAAAAAAAAAAAAAAAAAAAAAAAAAAAAAAAAAAAAAAAAAAAAAAAAAAAAAAAAAAAAAAAAAAAAAAAAAAAAAAAAAAAAAAAAAAAAAAAAAAAAAAAAFAAAADwAAAAAAAAAAAAAAAAAAAkUAAAAAQAAABQAAAAUAAAAFAAAAAEAAAAAAAAAZAAAAGQAAAAAAAAAZAAAAGQAAAAVAAAAYAAAAAAAAAAAAAAADwAAACADAAAAAAAAAAAAAAEAAACgMgAAVgcAAKr4//8BAAAAf39/AAEAAABkAAAAAAAAABQAAABAHwAAAAAAACYAAAAAAAAAwOD//wAAAAAmAAAAZAAAABYAAABMAAAAAAAAAAAAAAAEAAAAAAAAAAEAAACAgIAKAAAAACgAAAAoAAAAZAAAAGQAAAAAAAAAzMzMAAAAAABQAAAAUAAAAGQAAABkAAAAAAAAABcAAAAUAAAAAAAAAAAAAAD/fwAA/38AAAAAAAAJAAAABAAAAAAAAAAMAAAAEAAAAAAAAAAAAAAAAAAAAAAAAAAeAAAAaAAAAAAAAAAAAAAAAAAAAAAAAAAAAAAAECcAABAnAAAAAAAAAAAAAAAAAAAAAAAAAAAAAAAAAAAAAAAAAAAAABQAAAAAAAAAwMD/AAAAAABkAAAAMgAAAAAAAABkAAAAAAAAAH9/fwAKAAAAHwAAAFQAAAAAAAAFAAAAAQAAAAAAAAAAAAAAAAAAAAAAAAAAAAAAAAAAAAAAAAAAAAAAAn9/fwAAAAADzMzMAMDA/wB/f38AAAAAAAAAAAAAAAAAAAAAAAAAAAAhAAAAGAAAABQAAADQAgAAGycAAPAPAABZKQAAEAAAACYAAAAIAAAAAAAAAAAAAAA="/>
               </a:ext>
             </a:extLst>
           </p:cNvSpPr>
@@ -2707,7 +2678,7 @@
           <a:lstStyle/>
           <a:p>
             <a:pPr/>
-            <a:fld id="{2BE4624E-00C6-B194-885C-F6C12C127EA3}" type="datetime1">
+            <a:fld id="{2683CFAE-E0CB-D639-853B-166C81757343}" type="datetime1">
               <a:t/>
             </a:fld>
           </a:p>
@@ -2720,7 +2691,7 @@
             <a:spLocks noGrp="1" noChangeArrowheads="1"/>
             <a:extLst>
               <a:ext uri="smNativeData">
-                <pr:smNativeData xmlns:pr="smNativeData" val="SMDATA_13_9MGoYxMAAAAlAAAAZAAAAA8BAAAAkAAAAEgAAACQAAAASAAAAAAAAAABAAAAAAAAAAEAAABQAAAAAAAAAAAA4D8AAAAAAADgPwAAAAAAAOA/AAAAAAAA4D8AAAAAAADgPwAAAAAAAOA/AAAAAAAA4D8AAAAAAADgPwAAAAAAAOA/AAAAAAAA4D8CAAAAjAAAAAAAAAAAAAAAu+DjDP///wgAAAAAAAAAAAAAAAAAAAAAAAAAAAAAAAAAAAAAZAAAAAEAAABAAAAAAAAAAAAAAAAAAAAAAAAAAAAAAAAAAAAAAAAAAAAAAAAAAAAAAAAAAAAAAAAAAAAAAAAAAAAAAAAAAAAAAAAAAAAAAAAAAAAAAAAAAAAAAAAAAAAAFAAAADwAAAAAAAAAAAAAAAAAAAkUAAAAAQAAABQAAAAUAAAAFAAAAAEAAAAAAAAAZAAAAGQAAAAAAAAAZAAAAGQAAAAVAAAAYAAAAAAAAAAAAAAADwAAACADAAAAAAAAAAAAAAEAAACgMgAAVgcAAKr4//8BAAAAf39/AAEAAABkAAAAAAAAABQAAABAHwAAAAAAACYAAAAAAAAAwOD//wAAAAAmAAAAZAAAABYAAABMAAAAAAAAAAAAAAAEAAAAAAAAAAEAAACAgIAKAAAAACgAAAAoAAAAZAAAAGQAAAAAAAAAzMzMAAAAAABQAAAAUAAAAGQAAABkAAAAAAAAABcAAAAUAAAAAAAAAAAAAAD/fwAA/38AAAAAAAAJAAAABAAAAAAAAAAMAAAAEAAAAAAAAAAAAAAAAAAAAAAAAAAeAAAAaAAAAAAAAAAAAAAAAAAAAAAAAAAAAAAAECcAABAnAAAAAAAAAAAAAAAAAAAAAAAAAAAAAAAAAAAAAAAAAAAAABQAAAAAAAAAwMD/AAAAAABkAAAAMgAAAAAAAABkAAAAAAAAAH9/fwAKAAAAHwAAAFQAAAAAAAAFAAAAAQAAAAAAAAAAAAAAAAAAAAAAAAAAAAAAAAAAAAAAAAAAAAAAAn9/fwAAAAADzMzMAMDA/wB/f38AAAAAAAAAAAAAAAAAAAAAAAAAAAAhAAAAGAAAABQAAAA4EwAAGycAAAglAABZKQAAAAAAACYAAAAIAAAAAAAAAAAAAAA="/>
+                <pr:smNativeData xmlns:pr="smNativeData" val="SMDATA_13_5iCqYxMAAAAlAAAAZAAAAA8BAAAAkAAAAEgAAACQAAAASAAAAAAAAAABAAAAAAAAAAEAAABQAAAAAAAAAAAA4D8AAAAAAADgPwAAAAAAAOA/AAAAAAAA4D8AAAAAAADgPwAAAAAAAOA/AAAAAAAA4D8AAAAAAADgPwAAAAAAAOA/AAAAAAAA4D8CAAAAjAAAAAAAAAAAAAAAu+DjDP///wgAAAAAAAAAAAAAAAAAAAAAAAAAAAAAAAAAAAAAZAAAAAEAAABAAAAAAAAAAAAAAAAAAAAAAAAAAAAAAAAAAAAAAAAAAAAAAAAAAAAAAAAAAAAAAAAAAAAAAAAAAAAAAAAAAAAAAAAAAAAAAAAAAAAAAAAAAAAAAAAAAAAAFAAAADwAAAAAAAAAAAAAAAAAAAkUAAAAAQAAABQAAAAUAAAAFAAAAAEAAAAAAAAAZAAAAGQAAAAAAAAAZAAAAGQAAAAVAAAAYAAAAAAAAAAAAAAADwAAACADAAAAAAAAAAAAAAEAAACgMgAAVgcAAKr4//8BAAAAf39/AAEAAABkAAAAAAAAABQAAABAHwAAAAAAACYAAAAAAAAAwOD//wAAAAAmAAAAZAAAABYAAABMAAAAAAAAAAAAAAAEAAAAAAAAAAEAAACAgIAKAAAAACgAAAAoAAAAZAAAAGQAAAAAAAAAzMzMAAAAAABQAAAAUAAAAGQAAABkAAAAAAAAABcAAAAUAAAAAAAAAAAAAAD/fwAA/38AAAAAAAAJAAAABAAAAAAAAAAMAAAAEAAAAAAAAAAAAAAAAAAAAAAAAAAeAAAAaAAAAAAAAAAAAAAAAAAAAAAAAAAAAAAAECcAABAnAAAAAAAAAAAAAAAAAAAAAAAAAAAAAAAAAAAAAAAAAAAAABQAAAAAAAAAwMD/AAAAAABkAAAAMgAAAAAAAABkAAAAAAAAAH9/fwAKAAAAHwAAAFQAAAAAAAAFAAAAAQAAAAAAAAAAAAAAAAAAAAAAAAAAAAAAAAAAAAAAAAAAAAAAAn9/fwAAAAADzMzMAMDA/wB/f38AAAAAAAAAAAAAAAAAAAAAAAAAAAAhAAAAGAAAABQAAAA4EwAAGycAAAglAABZKQAAEAAAACYAAAAIAAAAAAAAAAAAAAA="/>
               </a:ext>
             </a:extLst>
           </p:cNvSpPr>
@@ -2734,9 +2705,6 @@
           <a:lstStyle/>
           <a:p>
             <a:pPr/>
-            <a:r>
-              <a:t/>
-            </a:r>
           </a:p>
         </p:txBody>
       </p:sp>
@@ -2747,7 +2715,7 @@
             <a:spLocks noGrp="1" noChangeArrowheads="1"/>
             <a:extLst>
               <a:ext uri="smNativeData">
-                <pr:smNativeData xmlns:pr="smNativeData" val="SMDATA_13_9MGoYxMAAAAlAAAAZAAAAA8BAAAAkAAAAEgAAACQAAAASAAAAAAAAAABAAAAAAAAAAEAAABQAAAAAAAAAAAA4D8AAAAAAADgPwAAAAAAAOA/AAAAAAAA4D8AAAAAAADgPwAAAAAAAOA/AAAAAAAA4D8AAAAAAADgPwAAAAAAAOA/AAAAAAAA4D8CAAAAjAAAAAAAAAAAAAAAu+DjDP///wgAAAAAAAAAAAAAAAAAAAAAAAAAAAAAAAAAAAAAZAAAAAEAAABAAAAAAAAAAAAAAAAAAAAAAAAAAAAAAAAAAAAAAAAAAAAAAAAAAAAAAAAAAAAAAAAAAAAAAAAAAAAAAAAAAAAAAAAAAAAAAAAAAAAAAAAAAAAAAAAAAAAAFAAAADwAAAAAAAAAAAAAAAAAAAkUAAAAAQAAABQAAAAUAAAAFAAAAAEAAAAAAAAAZAAAAGQAAAAAAAAAZAAAAGQAAAAVAAAAYAAAAAAAAAAAAAAADwAAACADAAAAAAAAAAAAAAEAAACgMgAAVgcAAKr4//8BAAAAf39/AAEAAABkAAAAAAAAABQAAABAHwAAAAAAACYAAAAAAAAAwOD//wAAAAAmAAAAZAAAABYAAABMAAAAAAAAAAAAAAAEAAAAAAAAAAEAAACAgIAKAAAAACgAAAAoAAAAZAAAAGQAAAAAAAAAzMzMAAAAAABQAAAAUAAAAGQAAABkAAAAAAAAABcAAAAUAAAAAAAAAAAAAAD/fwAA/38AAAAAAAAJAAAABAAAAAAAAAAMAAAAEAAAAAAAAAAAAAAAAAAAAAAAAAAeAAAAaAAAAAAAAAAAAAAAAAAAAAAAAAAAAAAAECcAABAnAAAAAAAAAAAAAAAAAAAAAAAAAAAAAAAAAAAAAAAAAAAAABQAAAAAAAAAwMD/AAAAAABkAAAAMgAAAAAAAABkAAAAAAAAAH9/fwAKAAAAHwAAAFQAAAAAAAAFAAAAAQAAAAAAAAAAAAAAAAAAAAAAAAAAAAAAAAAAAAAAAAAAAAAAAn9/fwAAAAADzMzMAMDA/wB/f38AAAAAAAAAAAAAAAAAAAAAAAAAAAAhAAAAGAAAABQAAABQKAAAGycAAHA1AABZKQAAAAAAACYAAAAIAAAAAAAAAAAAAAA="/>
+                <pr:smNativeData xmlns:pr="smNativeData" val="SMDATA_13_5iCqYxMAAAAlAAAAZAAAAA8BAAAAkAAAAEgAAACQAAAASAAAAAAAAAABAAAAAAAAAAEAAABQAAAAAAAAAAAA4D8AAAAAAADgPwAAAAAAAOA/AAAAAAAA4D8AAAAAAADgPwAAAAAAAOA/AAAAAAAA4D8AAAAAAADgPwAAAAAAAOA/AAAAAAAA4D8CAAAAjAAAAAAAAAAAAAAAu+DjDP///wgAAAAAAAAAAAAAAAAAAAAAAAAAAAAAAAAAAAAAZAAAAAEAAABAAAAAAAAAAAAAAAAAAAAAAAAAAAAAAAAAAAAAAAAAAAAAAAAAAAAAAAAAAAAAAAAAAAAAAAAAAAAAAAAAAAAAAAAAAAAAAAAAAAAAAAAAAAAAAAAAAAAAFAAAADwAAAAAAAAAAAAAAAAAAAkUAAAAAQAAABQAAAAUAAAAFAAAAAEAAAAAAAAAZAAAAGQAAAAAAAAAZAAAAGQAAAAVAAAAYAAAAAAAAAAAAAAADwAAACADAAAAAAAAAAAAAAEAAACgMgAAVgcAAKr4//8BAAAAf39/AAEAAABkAAAAAAAAABQAAABAHwAAAAAAACYAAAAAAAAAwOD//wAAAAAmAAAAZAAAABYAAABMAAAAAAAAAAAAAAAEAAAAAAAAAAEAAACAgIAKAAAAACgAAAAoAAAAZAAAAGQAAAAAAAAAzMzMAAAAAABQAAAAUAAAAGQAAABkAAAAAAAAABcAAAAUAAAAAAAAAAAAAAD/fwAA/38AAAAAAAAJAAAABAAAAAAAAAAMAAAAEAAAAAAAAAAAAAAAAAAAAAAAAAAeAAAAaAAAAAAAAAAAAAAAAAAAAAAAAAAAAAAAECcAABAnAAAAAAAAAAAAAAAAAAAAAAAAAAAAAAAAAAAAAAAAAAAAABQAAAAAAAAAwMD/AAAAAABkAAAAMgAAAAAAAABkAAAAAAAAAH9/fwAKAAAAHwAAAFQAAAAAAAAFAAAAAQAAAAAAAAAAAAAAAAAAAAAAAAAAAAAAAAAAAAAAAAAAAAAAAn9/fwAAAAADzMzMAMDA/wB/f38AAAAAAAAAAAAAAAAAAAAAAAAAAAAhAAAAGAAAABQAAABQKAAAGycAAHA1AABZKQAAEAAAACYAAAAIAAAAAAAAAAAAAAA="/>
               </a:ext>
             </a:extLst>
           </p:cNvSpPr>
@@ -2761,7 +2729,7 @@
           <a:lstStyle/>
           <a:p>
             <a:pPr/>
-            <a:fld id="{2BE43ADE-90C6-B1CC-885C-669974127E33}" type="slidenum">
+            <a:fld id="{2683F55E-10CB-D603-853B-E656BB7573B3}" type="slidenum">
               <a:t/>
             </a:fld>
           </a:p>
@@ -2807,7 +2775,7 @@
             <a:spLocks noGrp="1" noChangeArrowheads="1"/>
             <a:extLst>
               <a:ext uri="smNativeData">
-                <pr:smNativeData xmlns:pr="smNativeData" val="SMDATA_13_9MGoYxMAAAAlAAAAZAAAAA8BAAAAkAAAAEgAAACQAAAASAAAAAAAAAABAAAAAAAAAAEAAABQAAAAAAAAAAAA4D8AAAAAAADgPwAAAAAAAOA/AAAAAAAA4D8AAAAAAADgPwAAAAAAAOA/AAAAAAAA4D8AAAAAAADgPwAAAAAAAOA/AAAAAAAA4D8CAAAAjAAAAAAAAAAAAAAAu+DjDP///wgAAAAAAAAAAAAAAAAAAAAAAAAAAAAAAAAAAAAAZAAAAAEAAABAAAAAAAAAAAAAAAAAAAAAAAAAAAAAAAAAAAAAAAAAAAAAAAAAAAAAAAAAAAAAAAAAAAAAAAAAAAAAAAAAAAAAAAAAAAAAAAAAAAAAAAAAAAAAAAAAAAAAFAAAADwAAAAAAAAAAAAAAAAAAAkUAAAAAQAAABQAAAAUAAAAFAAAAAEAAAAAAAAAZAAAAGQAAAAAAAAAZAAAAGQAAAAVAAAAYAAAAAAAAAAAAAAADwAAACADAAAAAAAAAAAAAAEAAACgMgAAVgcAAKr4//8BAAAAf39/AAEAAABkAAAAAAAAABQAAABAHwAAAAAAACYAAAAAAAAAwOD//wAAAAAmAAAAZAAAABYAAABMAAAAAAAAAAAAAAAEAAAAAAAAAAEAAACAgIAKAAAAACgAAAAoAAAAZAAAAGQAAAAAAAAAzMzMAAAAAABQAAAAUAAAAGQAAABkAAAAAAAAABcAAAAUAAAAAAAAAAAAAAD/fwAA/38AAAAAAAAJAAAABAAAAAAAAAAMAAAAEAAAAAAAAAAAAAAAAAAAAAAAAAAeAAAAaAAAAAAAAAAAAAAAAAAAAAAAAAAAAAAAECcAABAnAAAAAAAAAAAAAAAAAAAAAAAAAAAAAAAAAAAAAAAAAAAAABQAAAAAAAAAwMD/AAAAAABkAAAAMgAAAAAAAABkAAAAAAAAAH9/fwAKAAAAHwAAAFQAAAAAAAAFAAAAAQAAAAAAAAAAAAAAAAAAAAAAAAAAAAAAAAAAAAAAAAAAAAAAAn9/fwAAAAADzMzMAMDA/wB/f38AAAAAAAAAAAAAAAAAAAAAAAAAAAAhAAAAGAAAABQAAADQAgAAsAEAAHA1AAC4CAAAAAAAACYAAAAIAAAA//////////8="/>
+                <pr:smNativeData xmlns:pr="smNativeData" val="SMDATA_13_5iCqYxMAAAAlAAAAZAAAAA8BAAAAkAAAAEgAAACQAAAASAAAAAAAAAABAAAAAAAAAAEAAABQAAAAAAAAAAAA4D8AAAAAAADgPwAAAAAAAOA/AAAAAAAA4D8AAAAAAADgPwAAAAAAAOA/AAAAAAAA4D8AAAAAAADgPwAAAAAAAOA/AAAAAAAA4D8CAAAAjAAAAAAAAAAAAAAAu+DjDP///wgAAAAAAAAAAAAAAAAAAAAAAAAAAAAAAAAAAAAAZAAAAAEAAABAAAAAAAAAAAAAAAAAAAAAAAAAAAAAAAAAAAAAAAAAAAAAAAAAAAAAAAAAAAAAAAAAAAAAAAAAAAAAAAAAAAAAAAAAAAAAAAAAAAAAAAAAAAAAAAAAAAAAFAAAADwAAAAAAAAAAAAAAAAAAAkUAAAAAQAAABQAAAAUAAAAFAAAAAEAAAAAAAAAZAAAAGQAAAAAAAAAZAAAAGQAAAAVAAAAYAAAAAAAAAAAAAAADwAAACADAAAAAAAAAAAAAAEAAACgMgAAVgcAAKr4//8BAAAAf39/AAEAAABkAAAAAAAAABQAAABAHwAAAAAAACYAAAAAAAAAwOD//wAAAAAmAAAAZAAAABYAAABMAAAAAAAAAAAAAAAEAAAAAAAAAAEAAACAgIAKAAAAACgAAAAoAAAAZAAAAGQAAAAAAAAAzMzMAAAAAABQAAAAUAAAAGQAAABkAAAAAAAAABcAAAAUAAAAAAAAAAAAAAD/fwAA/38AAAAAAAAJAAAABAAAAAAAAAAMAAAAEAAAAAAAAAAAAAAAAAAAAAAAAAAeAAAAaAAAAAAAAAAAAAAAAAAAAAAAAAAAAAAAECcAABAnAAAAAAAAAAAAAAAAAAAAAAAAAAAAAAAAAAAAAAAAAAAAABQAAAAAAAAAwMD/AAAAAABkAAAAMgAAAAAAAABkAAAAAAAAAH9/fwAKAAAAHwAAAFQAAAAAAAAFAAAAAQAAAAAAAAAAAAAAAAAAAAAAAAAAAAAAAAAAAAAAAAAAAAAAAn9/fwAAAAADzMzMAMDA/wB/f38AAAAAAAAAAAAAAAAAAAAAAAAAAAAhAAAAGAAAABQAAADQAgAAsAEAAHA1AAC4CAAAEAAAACYAAAAIAAAA//////////8="/>
               </a:ext>
             </a:extLst>
           </p:cNvSpPr>
@@ -2851,7 +2819,7 @@
             <a:spLocks noGrp="1" noChangeArrowheads="1"/>
             <a:extLst>
               <a:ext uri="smNativeData">
-                <pr:smNativeData xmlns:pr="smNativeData" val="SMDATA_13_9MGoYxMAAAAlAAAAZAAAAA8BAAAAkAAAAEgAAACQAAAASAAAAAAAAAAAAAAAAAAAAAEAAABQAAAAAAAAAAAA4D8AAAAAAADgPwAAAAAAAOA/AAAAAAAA4D8AAAAAAADgPwAAAAAAAOA/AAAAAAAA4D8AAAAAAADgPwAAAAAAAOA/AAAAAAAA4D8CAAAAjAAAAAAAAAAAAAAAu+DjDP///wgAAAAAAAAAAAAAAAAAAAAAAAAAAAAAAAAAAAAAZAAAAAEAAABAAAAAAAAAAAAAAAAAAAAAAAAAAAAAAAAAAAAAAAAAAAAAAAAAAAAAAAAAAAAAAAAAAAAAAAAAAAAAAAAAAAAAAAAAAAAAAAAAAAAAAAAAAAAAAAAAAAAAFAAAADwAAAAAAAAAAAAAAAAAAAkUAAAAAQAAABQAAAAUAAAAFAAAAAEAAAAAAAAAZAAAAGQAAAAAAAAAZAAAAGQAAAAVAAAAYAAAAAAAAAAAAAAADwAAACADAAAAAAAAAAAAAAEAAACgMgAAVgcAAKr4//8BAAAAf39/AAEAAABkAAAAAAAAABQAAABAHwAAAAAAACYAAAAAAAAAwOD//wAAAAAmAAAAZAAAABYAAABMAAAAAAAAAAAAAAAEAAAAAAAAAAEAAACAgIAKAAAAACgAAAAoAAAAZAAAAGQAAAAAAAAAzMzMAAAAAABQAAAAUAAAAGQAAABkAAAAAAAAABcAAAAUAAAAAAAAAAAAAAD/fwAA/38AAAAAAAAJAAAABAAAAAAAAAAMAAAAEAAAAAAAAAAAAAAAAAAAAAAAAAAeAAAAaAAAAAAAAAAAAAAAAAAAAAAAAAAAAAAAECcAABAnAAAAAAAAAAAAAAAAAAAAAAAAAAAAAAAAAAAAAAAAAAAAABQAAAAAAAAAwMD/AAAAAABkAAAAMgAAAAAAAABkAAAAAAAAAH9/fwAKAAAAHwAAAFQAAAAAAAAFAAAAAQAAAAAAAAAAAAAAAAAAAAAAAAAAAAAAAAAAAAAAAAAAAAAAAn9/fwAAAAADzMzMAMDA/wB/f38AAAAAAAAAAAAAAAAAAAAAAAAAAAAhAAAAGAAAABQAAADQAgAA2AkAAHA1AACwJQAAAAAAACYAAAAIAAAA//////////8="/>
+                <pr:smNativeData xmlns:pr="smNativeData" val="SMDATA_13_5iCqYxMAAAAlAAAAZAAAAA8BAAAAkAAAAEgAAACQAAAASAAAAAAAAAAAAAAAAAAAAAEAAABQAAAAAAAAAAAA4D8AAAAAAADgPwAAAAAAAOA/AAAAAAAA4D8AAAAAAADgPwAAAAAAAOA/AAAAAAAA4D8AAAAAAADgPwAAAAAAAOA/AAAAAAAA4D8CAAAAjAAAAAAAAAAAAAAAu+DjDP///wgAAAAAAAAAAAAAAAAAAAAAAAAAAAAAAAAAAAAAZAAAAAEAAABAAAAAAAAAAAAAAAAAAAAAAAAAAAAAAAAAAAAAAAAAAAAAAAAAAAAAAAAAAAAAAAAAAAAAAAAAAAAAAAAAAAAAAAAAAAAAAAAAAAAAAAAAAAAAAAAAAAAAFAAAADwAAAAAAAAAAAAAAAAAAAkUAAAAAQAAABQAAAAUAAAAFAAAAAEAAAAAAAAAZAAAAGQAAAAAAAAAZAAAAGQAAAAVAAAAYAAAAAAAAAAAAAAADwAAACADAAAAAAAAAAAAAAEAAACgMgAAVgcAAKr4//8BAAAAf39/AAEAAABkAAAAAAAAABQAAABAHwAAAAAAACYAAAAAAAAAwOD//wAAAAAmAAAAZAAAABYAAABMAAAAAAAAAAAAAAAEAAAAAAAAAAEAAACAgIAKAAAAACgAAAAoAAAAZAAAAGQAAAAAAAAAzMzMAAAAAABQAAAAUAAAAGQAAABkAAAAAAAAABcAAAAUAAAAAAAAAAAAAAD/fwAA/38AAAAAAAAJAAAABAAAAAAAAAAMAAAAEAAAAAAAAAAAAAAAAAAAAAAAAAAeAAAAaAAAAAAAAAAAAAAAAAAAAAAAAAAAAAAAECcAABAnAAAAAAAAAAAAAAAAAAAAAAAAAAAAAAAAAAAAAAAAAAAAABQAAAAAAAAAwMD/AAAAAABkAAAAMgAAAAAAAABkAAAAAAAAAH9/fwAKAAAAHwAAAFQAAAAAAAAFAAAAAQAAAAAAAAAAAAAAAAAAAAAAAAAAAAAAAAAAAAAAAAAAAAAAAn9/fwAAAAADzMzMAMDA/wB/f38AAAAAAAAAAAAAAAAAAAAAAAAAAAAhAAAAGAAAABQAAADQAgAA2AkAAHA1AACwJQAAEAAAACYAAAAIAAAA//////////8="/>
               </a:ext>
             </a:extLst>
           </p:cNvSpPr>
@@ -2919,7 +2887,7 @@
             <a:spLocks noGrp="1" noChangeArrowheads="1"/>
             <a:extLst>
               <a:ext uri="smNativeData">
-                <pr:smNativeData xmlns:pr="smNativeData" val="SMDATA_13_9MGoYxMAAAAlAAAAZAAAAA8BAAAAkAAAAEgAAACQAAAASAAAAAAAAAABAAAAAAAAAAEAAABQAAAAAAAAAAAA4D8AAAAAAADgPwAAAAAAAOA/AAAAAAAA4D8AAAAAAADgPwAAAAAAAOA/AAAAAAAA4D8AAAAAAADgPwAAAAAAAOA/AAAAAAAA4D8CAAAAjAAAAAAAAAAAAAAAu+DjDP///wgAAAAAAAAAAAAAAAAAAAAAAAAAAAAAAAAAAAAAZAAAAAEAAABAAAAAAAAAAAAAAAAAAAAAAAAAAAAAAAAAAAAAAAAAAAAAAAAAAAAAAAAAAAAAAAAAAAAAAAAAAAAAAAAAAAAAAAAAAAAAAAAAAAAAAAAAAAAAAAAAAAAAFAAAADwAAAAAAAAAAAAAAAAAAAkUAAAAAQAAABQAAAAUAAAAFAAAAAEAAAAAAAAAZAAAAGQAAAAAAAAAZAAAAGQAAAAVAAAAYAAAAAAAAAAAAAAADwAAACADAAAAAAAAAAAAAAEAAACgMgAAVgcAAKr4//8BAAAAf39/AAEAAABkAAAAAAAAABQAAABAHwAAAAAAACYAAAAAAAAAwOD//wAAAAAmAAAAZAAAABYAAABMAAAAAAAAAAAAAAAEAAAAAAAAAAEAAACAgIAKAAAAACgAAAAoAAAAZAAAAGQAAAAAAAAAzMzMAAAAAABQAAAAUAAAAGQAAABkAAAAAAAAABcAAAAUAAAAAAAAAAAAAAD/fwAA/38AAAAAAAAJAAAABAAAAAAAAAAMAAAAEAAAAAAAAAAAAAAAAAAAAAAAAAAeAAAAaAAAAAAAAAAAAAAAAAAAAAAAAAAAAAAAECcAABAnAAAAAAAAAAAAAAAAAAAAAAAAAAAAAAAAAAAAAAAAAAAAABQAAAAAAAAAwMD/AAAAAABkAAAAMgAAAAAAAABkAAAAAAAAAH9/fwAKAAAAHwAAAFQAAAAAAAAFAAAAAQAAAAAAAAAAAAAAAAAAAAAAAAAAAAAAAAAAAAAAAAAAAAAAAn9/fwAAAAADzMzMAMDA/wB/f38AAAAAAAAAAAAAAAAAAAAAAAAAAAAhAAAAGAAAABQAAADQAgAAGycAAPAPAABZKQAAAAAAACYAAAAIAAAA//////////8="/>
+                <pr:smNativeData xmlns:pr="smNativeData" val="SMDATA_13_5iCqYxMAAAAlAAAAZAAAAA8BAAAAkAAAAEgAAACQAAAASAAAAAAAAAABAAAAAAAAAAEAAABQAAAAAAAAAAAA4D8AAAAAAADgPwAAAAAAAOA/AAAAAAAA4D8AAAAAAADgPwAAAAAAAOA/AAAAAAAA4D8AAAAAAADgPwAAAAAAAOA/AAAAAAAA4D8CAAAAjAAAAAAAAAAAAAAAu+DjDP///wgAAAAAAAAAAAAAAAAAAAAAAAAAAAAAAAAAAAAAZAAAAAEAAABAAAAAAAAAAAAAAAAAAAAAAAAAAAAAAAAAAAAAAAAAAAAAAAAAAAAAAAAAAAAAAAAAAAAAAAAAAAAAAAAAAAAAAAAAAAAAAAAAAAAAAAAAAAAAAAAAAAAAFAAAADwAAAAAAAAAAAAAAAAAAAkUAAAAAQAAABQAAAAUAAAAFAAAAAEAAAAAAAAAZAAAAGQAAAAAAAAAZAAAAGQAAAAVAAAAYAAAAAAAAAAAAAAADwAAACADAAAAAAAAAAAAAAEAAACgMgAAVgcAAKr4//8BAAAAf39/AAEAAABkAAAAAAAAABQAAABAHwAAAAAAACYAAAAAAAAAwOD//wAAAAAmAAAAZAAAABYAAABMAAAAAAAAAAAAAAAEAAAAAAAAAAEAAACAgIAKAAAAACgAAAAoAAAAZAAAAGQAAAAAAAAAzMzMAAAAAABQAAAAUAAAAGQAAABkAAAAAAAAABcAAAAUAAAAAAAAAAAAAAD/fwAA/38AAAAAAAAJAAAABAAAAAAAAAAMAAAAEAAAAAAAAAAAAAAAAAAAAAAAAAAeAAAAaAAAAAAAAAAAAAAAAAAAAAAAAAAAAAAAECcAABAnAAAAAAAAAAAAAAAAAAAAAAAAAAAAAAAAAAAAAAAAAAAAABQAAAAAAAAAwMD/AAAAAABkAAAAMgAAAAAAAABkAAAAAAAAAH9/fwAKAAAAHwAAAFQAAAAAAAAFAAAAAQAAAAAAAAAAAAAAAAAAAAAAAAAAAAAAAAAAAAAAAAAAAAAAAn9/fwAAAAADzMzMAMDA/wB/f38AAAAAAAAAAAAAAAAAAAAAAAAAAAAhAAAAGAAAABQAAADQAgAAGycAAPAPAABZKQAAEAAAACYAAAAIAAAA//////////8="/>
               </a:ext>
             </a:extLst>
           </p:cNvSpPr>
@@ -2954,7 +2922,7 @@
           </a:lstStyle>
           <a:p>
             <a:pPr/>
-            <a:fld id="{2BE40D6E-20C6-B1FB-885C-D6AE43127E83}" type="datetime1">
+            <a:fld id="{2683BD9D-D3CB-D64B-853B-251EF3757370}" type="datetime1">
               <a:t/>
             </a:fld>
           </a:p>
@@ -2967,7 +2935,7 @@
             <a:spLocks noGrp="1" noChangeArrowheads="1"/>
             <a:extLst>
               <a:ext uri="smNativeData">
-                <pr:smNativeData xmlns:pr="smNativeData" val="SMDATA_13_9MGoYxMAAAAlAAAAZAAAAA8BAAAAkAAAAEgAAACQAAAASAAAAAAAAAABAAAAAAAAAAEAAABQAAAAAAAAAAAA4D8AAAAAAADgPwAAAAAAAOA/AAAAAAAA4D8AAAAAAADgPwAAAAAAAOA/AAAAAAAA4D8AAAAAAADgPwAAAAAAAOA/AAAAAAAA4D8CAAAAjAAAAAAAAAAAAAAAu+DjDP///wgAAAAAAAAAAAAAAAAAAAAAAAAAAAAAAAAAAAAAZAAAAAEAAABAAAAAAAAAAAAAAAAAAAAAAAAAAAAAAAAAAAAAAAAAAAAAAAAAAAAAAAAAAAAAAAAAAAAAAAAAAAAAAAAAAAAAAAAAAAAAAAAAAAAAAAAAAAAAAAAAAAAAFAAAADwAAAAAAAAAAAAAAAAAAAkUAAAAAQAAABQAAAAUAAAAFAAAAAEAAAAAAAAAZAAAAGQAAAAAAAAAZAAAAGQAAAAVAAAAYAAAAAAAAAAAAAAADwAAACADAAAAAAAAAAAAAAEAAACgMgAAVgcAAKr4//8BAAAAf39/AAEAAABkAAAAAAAAABQAAABAHwAAAAAAACYAAAAAAAAAwOD//wAAAAAmAAAAZAAAABYAAABMAAAAAAAAAAAAAAAEAAAAAAAAAAEAAACAgIAKAAAAACgAAAAoAAAAZAAAAGQAAAAAAAAAzMzMAAAAAABQAAAAUAAAAGQAAABkAAAAAAAAABcAAAAUAAAAAAAAAAAAAAD/fwAA/38AAAAAAAAJAAAABAAAAAAAAAAMAAAAEAAAAAAAAAAAAAAAAAAAAAAAAAAeAAAAaAAAAAAAAAAAAAAAAAAAAAAAAAAAAAAAECcAABAnAAAAAAAAAAAAAAAAAAAAAAAAAAAAAAAAAAAAAAAAAAAAABQAAAAAAAAAwMD/AAAAAABkAAAAMgAAAAAAAABkAAAAAAAAAH9/fwAKAAAAHwAAAFQAAAAAAAAFAAAAAQAAAAAAAAAAAAAAAAAAAAAAAAAAAAAAAAAAAAAAAAAAAAAAAn9/fwAAAAADzMzMAMDA/wB/f38AAAAAAAAAAAAAAAAAAAAAAAAAAAAhAAAAGAAAABQAAAA4EwAAGycAAAglAABZKQAAAAAAACYAAAAIAAAA//////////8="/>
+                <pr:smNativeData xmlns:pr="smNativeData" val="SMDATA_13_5iCqYxMAAAAlAAAAZAAAAA8BAAAAkAAAAEgAAACQAAAASAAAAAAAAAABAAAAAAAAAAEAAABQAAAAAAAAAAAA4D8AAAAAAADgPwAAAAAAAOA/AAAAAAAA4D8AAAAAAADgPwAAAAAAAOA/AAAAAAAA4D8AAAAAAADgPwAAAAAAAOA/AAAAAAAA4D8CAAAAjAAAAAAAAAAAAAAAu+DjDP///wgAAAAAAAAAAAAAAAAAAAAAAAAAAAAAAAAAAAAAZAAAAAEAAABAAAAAAAAAAAAAAAAAAAAAAAAAAAAAAAAAAAAAAAAAAAAAAAAAAAAAAAAAAAAAAAAAAAAAAAAAAAAAAAAAAAAAAAAAAAAAAAAAAAAAAAAAAAAAAAAAAAAAFAAAADwAAAAAAAAAAAAAAAAAAAkUAAAAAQAAABQAAAAUAAAAFAAAAAEAAAAAAAAAZAAAAGQAAAAAAAAAZAAAAGQAAAAVAAAAYAAAAAAAAAAAAAAADwAAACADAAAAAAAAAAAAAAEAAACgMgAAVgcAAKr4//8BAAAAf39/AAEAAABkAAAAAAAAABQAAABAHwAAAAAAACYAAAAAAAAAwOD//wAAAAAmAAAAZAAAABYAAABMAAAAAAAAAAAAAAAEAAAAAAAAAAEAAACAgIAKAAAAACgAAAAoAAAAZAAAAGQAAAAAAAAAzMzMAAAAAABQAAAAUAAAAGQAAABkAAAAAAAAABcAAAAUAAAAAAAAAAAAAAD/fwAA/38AAAAAAAAJAAAABAAAAAAAAAAMAAAAEAAAAAAAAAAAAAAAAAAAAAAAAAAeAAAAaAAAAAAAAAAAAAAAAAAAAAAAAAAAAAAAECcAABAnAAAAAAAAAAAAAAAAAAAAAAAAAAAAAAAAAAAAAAAAAAAAABQAAAAAAAAAwMD/AAAAAABkAAAAMgAAAAAAAABkAAAAAAAAAH9/fwAKAAAAHwAAAFQAAAAAAAAFAAAAAQAAAAAAAAAAAAAAAAAAAAAAAAAAAAAAAAAAAAAAAAAAAAAAAn9/fwAAAAADzMzMAMDA/wB/f38AAAAAAAAAAAAAAAAAAAAAAAAAAAAhAAAAGAAAABQAAAA4EwAAGycAAAglAABZKQAAEAAAACYAAAAIAAAA//////////8="/>
               </a:ext>
             </a:extLst>
           </p:cNvSpPr>
@@ -3002,9 +2970,6 @@
           </a:lstStyle>
           <a:p>
             <a:pPr/>
-            <a:r>
-              <a:t/>
-            </a:r>
           </a:p>
         </p:txBody>
       </p:sp>
@@ -3015,7 +2980,7 @@
             <a:spLocks noGrp="1" noChangeArrowheads="1"/>
             <a:extLst>
               <a:ext uri="smNativeData">
-                <pr:smNativeData xmlns:pr="smNativeData" val="SMDATA_13_9MGoYxMAAAAlAAAAZAAAAA8BAAAAkAAAAEgAAACQAAAASAAAAAAAAAABAAAAAAAAAAEAAABQAAAAAAAAAAAA4D8AAAAAAADgPwAAAAAAAOA/AAAAAAAA4D8AAAAAAADgPwAAAAAAAOA/AAAAAAAA4D8AAAAAAADgPwAAAAAAAOA/AAAAAAAA4D8CAAAAjAAAAAAAAAAAAAAAu+DjDP///wgAAAAAAAAAAAAAAAAAAAAAAAAAAAAAAAAAAAAAZAAAAAEAAABAAAAAAAAAAAAAAAAAAAAAAAAAAAAAAAAAAAAAAAAAAAAAAAAAAAAAAAAAAAAAAAAAAAAAAAAAAAAAAAAAAAAAAAAAAAAAAAAAAAAAAAAAAAAAAAAAAAAAFAAAADwAAAAAAAAAAAAAAAAAAAkUAAAAAQAAABQAAAAUAAAAFAAAAAEAAAAAAAAAZAAAAGQAAAAAAAAAZAAAAGQAAAAVAAAAYAAAAAAAAAAAAAAADwAAACADAAAAAAAAAAAAAAEAAACgMgAAVgcAAKr4//8BAAAAf39/AAEAAABkAAAAAAAAABQAAABAHwAAAAAAACYAAAAAAAAAwOD//wAAAAAmAAAAZAAAABYAAABMAAAAAAAAAAAAAAAEAAAAAAAAAAEAAACAgIAKAAAAACgAAAAoAAAAZAAAAGQAAAAAAAAAzMzMAAAAAABQAAAAUAAAAGQAAABkAAAAAAAAABcAAAAUAAAAAAAAAAAAAAD/fwAA/38AAAAAAAAJAAAABAAAAAAAAAAMAAAAEAAAAAAAAAAAAAAAAAAAAAAAAAAeAAAAaAAAAAAAAAAAAAAAAAAAAAAAAAAAAAAAECcAABAnAAAAAAAAAAAAAAAAAAAAAAAAAAAAAAAAAAAAAAAAAAAAABQAAAAAAAAAwMD/AAAAAABkAAAAMgAAAAAAAABkAAAAAAAAAH9/fwAKAAAAHwAAAFQAAAAAAAAFAAAAAQAAAAAAAAAAAAAAAAAAAAAAAAAAAAAAAAAAAAAAAAAAAAAAAn9/fwAAAAADzMzMAMDA/wB/f38AAAAAAAAAAAAAAAAAAAAAAAAAAAAhAAAAGAAAABQAAABQKAAAGycAAHA1AABZKQAAAAAAACYAAAAIAAAA//////////8="/>
+                <pr:smNativeData xmlns:pr="smNativeData" val="SMDATA_13_5iCqYxMAAAAlAAAAZAAAAA8BAAAAkAAAAEgAAACQAAAASAAAAAAAAAABAAAAAAAAAAEAAABQAAAAAAAAAAAA4D8AAAAAAADgPwAAAAAAAOA/AAAAAAAA4D8AAAAAAADgPwAAAAAAAOA/AAAAAAAA4D8AAAAAAADgPwAAAAAAAOA/AAAAAAAA4D8CAAAAjAAAAAAAAAAAAAAAu+DjDP///wgAAAAAAAAAAAAAAAAAAAAAAAAAAAAAAAAAAAAAZAAAAAEAAABAAAAAAAAAAAAAAAAAAAAAAAAAAAAAAAAAAAAAAAAAAAAAAAAAAAAAAAAAAAAAAAAAAAAAAAAAAAAAAAAAAAAAAAAAAAAAAAAAAAAAAAAAAAAAAAAAAAAAFAAAADwAAAAAAAAAAAAAAAAAAAkUAAAAAQAAABQAAAAUAAAAFAAAAAEAAAAAAAAAZAAAAGQAAAAAAAAAZAAAAGQAAAAVAAAAYAAAAAAAAAAAAAAADwAAACADAAAAAAAAAAAAAAEAAACgMgAAVgcAAKr4//8BAAAAf39/AAEAAABkAAAAAAAAABQAAABAHwAAAAAAACYAAAAAAAAAwOD//wAAAAAmAAAAZAAAABYAAABMAAAAAAAAAAAAAAAEAAAAAAAAAAEAAACAgIAKAAAAACgAAAAoAAAAZAAAAGQAAAAAAAAAzMzMAAAAAABQAAAAUAAAAGQAAABkAAAAAAAAABcAAAAUAAAAAAAAAAAAAAD/fwAA/38AAAAAAAAJAAAABAAAAAAAAAAMAAAAEAAAAAAAAAAAAAAAAAAAAAAAAAAeAAAAaAAAAAAAAAAAAAAAAAAAAAAAAAAAAAAAECcAABAnAAAAAAAAAAAAAAAAAAAAAAAAAAAAAAAAAAAAAAAAAAAAABQAAAAAAAAAwMD/AAAAAABkAAAAMgAAAAAAAABkAAAAAAAAAH9/fwAKAAAAHwAAAFQAAAAAAAAFAAAAAQAAAAAAAAAAAAAAAAAAAAAAAAAAAAAAAAAAAAAAAAAAAAAAAn9/fwAAAAADzMzMAMDA/wB/f38AAAAAAAAAAAAAAAAAAAAAAAAAAAAhAAAAGAAAABQAAABQKAAAGycAAHA1AABZKQAAEAAAACYAAAAIAAAA//////////8="/>
               </a:ext>
             </a:extLst>
           </p:cNvSpPr>
@@ -3050,7 +3015,7 @@
           </a:lstStyle>
           <a:p>
             <a:pPr/>
-            <a:fld id="{2BE45A5A-14C6-B1AC-885C-E2F914127EB7}" type="slidenum">
+            <a:fld id="{2683C463-2DCB-D632-853B-DB678A75738E}" type="slidenum">
               <a:t/>
             </a:fld>
           </a:p>
@@ -3097,6 +3062,182 @@
           <a:cs typeface="Times New Roman" pitchFamily="1" charset="0"/>
         </a:defRPr>
       </a:lvl1pPr>
+      <a:lvl2pPr marL="457200" marR="0" indent="0" algn="l" defTabSz="457200">
+        <a:lnSpc>
+          <a:spcPct val="100000"/>
+        </a:lnSpc>
+        <a:spcBef>
+          <a:spcPts val="0"/>
+        </a:spcBef>
+        <a:spcAft>
+          <a:spcPts val="0"/>
+        </a:spcAft>
+        <a:buNone/>
+        <a:tabLst/>
+        <a:defRPr sz="1800" b="0" i="0" u="none" strike="noStrike" kern="1" spc="0" baseline="0">
+          <a:solidFill>
+            <a:schemeClr val="tx1"/>
+          </a:solidFill>
+          <a:effectLst/>
+          <a:latin typeface="Calibri" pitchFamily="2" charset="0"/>
+          <a:ea typeface="SimSun" pitchFamily="0" charset="0"/>
+          <a:cs typeface="Times New Roman" pitchFamily="1" charset="0"/>
+        </a:defRPr>
+      </a:lvl2pPr>
+      <a:lvl3pPr marL="914400" marR="0" indent="0" algn="l" defTabSz="457200">
+        <a:lnSpc>
+          <a:spcPct val="100000"/>
+        </a:lnSpc>
+        <a:spcBef>
+          <a:spcPts val="0"/>
+        </a:spcBef>
+        <a:spcAft>
+          <a:spcPts val="0"/>
+        </a:spcAft>
+        <a:buNone/>
+        <a:tabLst/>
+        <a:defRPr sz="1800" b="0" i="0" u="none" strike="noStrike" kern="1" spc="0" baseline="0">
+          <a:solidFill>
+            <a:schemeClr val="tx1"/>
+          </a:solidFill>
+          <a:effectLst/>
+          <a:latin typeface="Calibri" pitchFamily="2" charset="0"/>
+          <a:ea typeface="SimSun" pitchFamily="0" charset="0"/>
+          <a:cs typeface="Times New Roman" pitchFamily="1" charset="0"/>
+        </a:defRPr>
+      </a:lvl3pPr>
+      <a:lvl4pPr marL="1371600" marR="0" indent="0" algn="l" defTabSz="457200">
+        <a:lnSpc>
+          <a:spcPct val="100000"/>
+        </a:lnSpc>
+        <a:spcBef>
+          <a:spcPts val="0"/>
+        </a:spcBef>
+        <a:spcAft>
+          <a:spcPts val="0"/>
+        </a:spcAft>
+        <a:buNone/>
+        <a:tabLst/>
+        <a:defRPr sz="1800" b="0" i="0" u="none" strike="noStrike" kern="1" spc="0" baseline="0">
+          <a:solidFill>
+            <a:schemeClr val="tx1"/>
+          </a:solidFill>
+          <a:effectLst/>
+          <a:latin typeface="Calibri" pitchFamily="2" charset="0"/>
+          <a:ea typeface="SimSun" pitchFamily="0" charset="0"/>
+          <a:cs typeface="Times New Roman" pitchFamily="1" charset="0"/>
+        </a:defRPr>
+      </a:lvl4pPr>
+      <a:lvl5pPr marL="1828800" marR="0" indent="0" algn="l" defTabSz="457200">
+        <a:lnSpc>
+          <a:spcPct val="100000"/>
+        </a:lnSpc>
+        <a:spcBef>
+          <a:spcPts val="0"/>
+        </a:spcBef>
+        <a:spcAft>
+          <a:spcPts val="0"/>
+        </a:spcAft>
+        <a:buNone/>
+        <a:tabLst/>
+        <a:defRPr sz="1800" b="0" i="0" u="none" strike="noStrike" kern="1" spc="0" baseline="0">
+          <a:solidFill>
+            <a:schemeClr val="tx1"/>
+          </a:solidFill>
+          <a:effectLst/>
+          <a:latin typeface="Calibri" pitchFamily="2" charset="0"/>
+          <a:ea typeface="SimSun" pitchFamily="0" charset="0"/>
+          <a:cs typeface="Times New Roman" pitchFamily="1" charset="0"/>
+        </a:defRPr>
+      </a:lvl5pPr>
+      <a:lvl6pPr marL="2286000" marR="0" indent="0" algn="l" defTabSz="457200">
+        <a:lnSpc>
+          <a:spcPct val="100000"/>
+        </a:lnSpc>
+        <a:spcBef>
+          <a:spcPts val="0"/>
+        </a:spcBef>
+        <a:spcAft>
+          <a:spcPts val="0"/>
+        </a:spcAft>
+        <a:buNone/>
+        <a:tabLst/>
+        <a:defRPr sz="1800" b="0" i="0" u="none" strike="noStrike" kern="1" spc="0" baseline="0">
+          <a:solidFill>
+            <a:schemeClr val="tx1"/>
+          </a:solidFill>
+          <a:effectLst/>
+          <a:latin typeface="Calibri" pitchFamily="2" charset="0"/>
+          <a:ea typeface="SimSun" pitchFamily="0" charset="0"/>
+          <a:cs typeface="Times New Roman" pitchFamily="1" charset="0"/>
+        </a:defRPr>
+      </a:lvl6pPr>
+      <a:lvl7pPr marL="2743200" marR="0" indent="0" algn="l" defTabSz="457200">
+        <a:lnSpc>
+          <a:spcPct val="100000"/>
+        </a:lnSpc>
+        <a:spcBef>
+          <a:spcPts val="0"/>
+        </a:spcBef>
+        <a:spcAft>
+          <a:spcPts val="0"/>
+        </a:spcAft>
+        <a:buNone/>
+        <a:tabLst/>
+        <a:defRPr sz="1800" b="0" i="0" u="none" strike="noStrike" kern="1" spc="0" baseline="0">
+          <a:solidFill>
+            <a:schemeClr val="tx1"/>
+          </a:solidFill>
+          <a:effectLst/>
+          <a:latin typeface="Calibri" pitchFamily="2" charset="0"/>
+          <a:ea typeface="SimSun" pitchFamily="0" charset="0"/>
+          <a:cs typeface="Times New Roman" pitchFamily="1" charset="0"/>
+        </a:defRPr>
+      </a:lvl7pPr>
+      <a:lvl8pPr marL="3200400" marR="0" indent="0" algn="l" defTabSz="457200">
+        <a:lnSpc>
+          <a:spcPct val="100000"/>
+        </a:lnSpc>
+        <a:spcBef>
+          <a:spcPts val="0"/>
+        </a:spcBef>
+        <a:spcAft>
+          <a:spcPts val="0"/>
+        </a:spcAft>
+        <a:buNone/>
+        <a:tabLst/>
+        <a:defRPr sz="1800" b="0" i="0" u="none" strike="noStrike" kern="1" spc="0" baseline="0">
+          <a:solidFill>
+            <a:schemeClr val="tx1"/>
+          </a:solidFill>
+          <a:effectLst/>
+          <a:latin typeface="Calibri" pitchFamily="2" charset="0"/>
+          <a:ea typeface="SimSun" pitchFamily="0" charset="0"/>
+          <a:cs typeface="Times New Roman" pitchFamily="1" charset="0"/>
+        </a:defRPr>
+      </a:lvl8pPr>
+      <a:lvl9pPr marL="3657600" marR="0" indent="0" algn="l" defTabSz="457200">
+        <a:lnSpc>
+          <a:spcPct val="100000"/>
+        </a:lnSpc>
+        <a:spcBef>
+          <a:spcPts val="0"/>
+        </a:spcBef>
+        <a:spcAft>
+          <a:spcPts val="0"/>
+        </a:spcAft>
+        <a:buNone/>
+        <a:tabLst/>
+        <a:defRPr sz="1800" b="0" i="0" u="none" strike="noStrike" kern="1" spc="0" baseline="0">
+          <a:solidFill>
+            <a:schemeClr val="tx1"/>
+          </a:solidFill>
+          <a:effectLst/>
+          <a:latin typeface="Calibri" pitchFamily="2" charset="0"/>
+          <a:ea typeface="SimSun" pitchFamily="0" charset="0"/>
+          <a:cs typeface="Times New Roman" pitchFamily="1" charset="0"/>
+        </a:defRPr>
+      </a:lvl9pPr>
     </p:titleStyle>
     <p:bodyStyle>
       <a:lvl1pPr marL="342900" marR="0" indent="-342900" algn="l" defTabSz="457200">
@@ -3552,7 +3693,7 @@
           <p:cNvSpPr>
             <a:extLst>
               <a:ext uri="smNativeData">
-                <pr:smNativeData xmlns:pr="smNativeData" val="SMDATA_13_9MGoYxMAAAAlAAAAZAAAAA8BAAAAkAAAAEgAAACQAAAASAAAAAAAAAAAAAAAAAAAAAEAAABQAAAAAAAAAAAA4D8AAAAAAADgPwAAAAAAAOA/AAAAAAAA4D8AAAAAAADgPwAAAAAAAOA/AAAAAAAA4D8AAAAAAADgPwAAAAAAAOA/AAAAAAAA4D8CAAAAjAAAAAEAAAAAAAAAAAAACf///wgAAAAAAAAAAAAAAAAAAAAAAAAAAAAAAAAAAAAAZAAAAAEAAABAAAAAAAAAAAAAAAAAAAAAAAAAAAAAAAAAAAAAAAAAAAAAAAAAAAAAAAAAAAAAAAAAAAAAAAAAAAAAAAAAAAAAAAAAAAAAAAAAAAAAAAAAAAAAAAAAAAAAFAAAADwAAAABAAAAAAAAAAAAAAkUAAAAAQAAABQAAAAUAAAAFAAAAAEAAAAAAAAAZAAAAGQAAAAAAAAAZAAAAGQAAAAVAAAAYAAAAAAAAAAAAAAADwAAACADAAAAAAAAAAAAAAEAAACgMgAAVgcAAKr4//8BAAAAf39/AAEAAABkAAAAAAAAABQAAABAHwAAAAAAACYAAAAAAAAAwOD//wAAAAAmAAAAZAAAABYAAABMAAAAAAAAAAAAAAAEAAAAAAAAAAEAAACAgIAKAAAAACgAAAAoAAAAZAAAAGQAAAAAAAAAzMzMAAAAAABQAAAAUAAAAGQAAABkAAAAAAAAABcAAAAUAAAAAAAAAAAAAAD/fwAA/38AAAAAAAAJAAAABAAAAAAAAAAMAAAAEAAAAAAAAAAAAAAAAAAAAAAAAAAeAAAAaAAAAAAAAAAAAAAAAAAAAAAAAAAAAAAAECcAABAnAAAAAAAAAAAAAAAAAAAAAAAAAAAAAAAAAAAAAAAAAAAAABQAAAAAAAAAwMD/AAAAAABkAAAAMgAAAAAAAABkAAAAAAAAAH9/fwAKAAAAHwAAAFQAAAAAAAAC////AQAAAAAAAAAAAAAAAAAAAAAAAAAAAAAAAAAAAAAAAAAAAAAAAn9/fwCAgIADzMzMAMDA/wB/f38AAAAAAAAAAAAAAAAAAAAAAAAAAAAhAAAAGAAAABQAAABTAQAA4wAAANEqAADlDwAAAAAAACYAAAAIAAAA//////////8="/>
+                <pr:smNativeData xmlns:pr="smNativeData" val="SMDATA_13_5iCqYxMAAAAlAAAAZAAAAA8BAAAAkAAAAEgAAACQAAAASAAAAAAAAAAAAAAAAAAAAAEAAABQAAAAAAAAAAAA4D8AAAAAAADgPwAAAAAAAOA/AAAAAAAA4D8AAAAAAADgPwAAAAAAAOA/AAAAAAAA4D8AAAAAAADgPwAAAAAAAOA/AAAAAAAA4D8CAAAAjAAAAAEAAAAAAAAAAAAACf///wgAAAAAAAAAAAAAAAAAAAAAAAAAAAAAAAAAAAAAZAAAAAEAAABAAAAAAAAAAAAAAAAAAAAAAAAAAAAAAAAAAAAAAAAAAAAAAAAAAAAAAAAAAAAAAAAAAAAAAAAAAAAAAAAAAAAAAAAAAAAAAAAAAAAAAAAAAAAAAAAAAAAAFAAAADwAAAABAAAAAAAAAAAAAAkUAAAAAQAAABQAAAAUAAAAFAAAAAEAAAAAAAAAZAAAAGQAAAAAAAAAZAAAAGQAAAAVAAAAYAAAAAAAAAAAAAAADwAAACADAAAAAAAAAAAAAAEAAACgMgAAVgcAAKr4//8BAAAAf39/AAEAAABkAAAAAAAAABQAAABAHwAAAAAAACYAAAAAAAAAwOD//wAAAAAmAAAAZAAAABYAAABMAAAAAAAAAAAAAAAEAAAAAAAAAAEAAACAgIAKAAAAACgAAAAoAAAAZAAAAGQAAAAAAAAAzMzMAAAAAABQAAAAUAAAAGQAAABkAAAAAAAAABcAAAAUAAAAAAAAAAAAAAD/fwAA/38AAAAAAAAJAAAABAAAAAAAAAAMAAAAEAAAAAAAAAAAAAAAAAAAAAAAAAAeAAAAaAAAAAAAAAAAAAAAAAAAAAAAAAAAAAAAECcAABAnAAAAAAAAAAAAAAAAAAAAAAAAAAAAAAAAAAAAAAAAAAAAABQAAAAAAAAAwMD/AAAAAABkAAAAMgAAAAAAAABkAAAAAAAAAH9/fwAKAAAAHwAAAFQAAAAAAAAC////AQAAAAAAAAAAAAAAAAAAAAAAAAAAAAAAAAAAAAAAAAAAAAAAAn9/fwCAgIADzMzMAMDA/wB/f38AAAAAAAAAAAAAAAAAAAAAAAAAAAAhAAAAGAAAABQAAABTAQAA4wAAANEqAADlDwAAEAAAACYAAAAIAAAA//////////8="/>
               </a:ext>
             </a:extLst>
           </p:cNvSpPr>
@@ -3587,7 +3728,7 @@
             <a:picLocks noChangeAspect="1"/>
             <a:extLst>
               <a:ext uri="smNativeData">
-                <pr:smNativeData xmlns:pr="smNativeData" val="SMDATA_15_9MGoYxMAAAAlAAAAEQAAAC8BAAAAkAAAAEgAAACQAAAASAAAAAAAAAAAAAAAAAAAAAEAAABQAAAAAAAAAAAA4D8AAAAAAADgPwAAAAAAAOA/AAAAAAAA4D8AAAAAAADgPwAAAAAAAOA/AAAAAAAA4D8AAAAAAADgPwAAAAAAAOA/AAAAAAAA4D8CAAAAjAAAAAAAAAAAAAAAu+DjDP///wgAAAAAAAAAAAAAAAAAAAAAAAAAAAAAAAAAAAAAZAAAAAEAAABAAAAAAAAAAAAAAAAAAAAAAAAAAAAAAAAAAAAAAAAAAAAAAAAAAAAAAAAAAAAAAAAAAAAAAAAAAAAAAAAAAAAAAAAAAAAAAAAAAAAAAAAAAAAAAAAAAAAAFAAAADwAAAAAAAAAAAAAAAAAAAkUAAAAAQAAABQAAAAUAAAAFAAAAAEAAAAAAAAAZAAAAGQAAAAAAAAAZAAAAGQAAAAVAAAAYAAAAAAAAAAAAAAADwAAACADAAAAAAAAAAAAAAEAAACgMgAAVgcAAKr4//8BAAAAf39/AAEAAABkAAAAAAAAABQAAABAHwAAAAAAACYAAAAAAAAAwOD//wAAAAAmAAAAZAAAABYAAABMAAAAAAAAAAAAAAAEAAAAAAAAAAEAAACAgIAKAAAAACgAAAAoAAAAZAAAAGQAAAAAAAAAzMzMAAAAAABQAAAAUAAAAGQAAABkAAAAAAAAAAcAAAA4AAAAAAAAAAAAAAAAAAAA////AAAAAAAAAAAAAAAAAAAAAAAAAAAAAAAAAAAAAABkAAAAZAAAAAAAAAAjAAAABAAAAGQAAAAXAAAAFAAAAAAAAAAAAAAA/38AAP9/AAAAAAAACQAAAAQAAAAAAAAADAAAABAAAAAAAAAAAAAAAAAAAAAAAAAAHgAAAGgAAAAAAAAAAAAAAAAAAAAAAAAAAAAAABAnAAAQJwAAAAAAAAAAAAAAAAAAAAAAAAAAAAAAAAAAAAAAAAAAAAAUAAAAAAAAAMDA/wAAAAAAZAAAADIAAAAAAAAAZAAAAAAAAAB/f38ACgAAAB8AAABUAAAAu+DjBf///wEAAAAAAAAAAAAAAAAAAAAAAAAAAAAAAAAAAAAAAAAAAAAAAAJ/f38AgICAA8zMzADAwP8Af39/AAAAAAAAAAAAAAAAAP///wAAAAAAIQAAABgAAAAUAAAA3gsAAFUBAAAsIAAA5w4AAAAAAAAmAAAACAAAAP//////////"/>
+                <pr:smNativeData xmlns:pr="smNativeData" val="SMDATA_15_5iCqYxMAAAAlAAAAEQAAAC8BAAAAkAAAAEgAAACQAAAASAAAAAAAAAAAAAAAAAAAAAEAAABQAAAAAAAAAAAA4D8AAAAAAADgPwAAAAAAAOA/AAAAAAAA4D8AAAAAAADgPwAAAAAAAOA/AAAAAAAA4D8AAAAAAADgPwAAAAAAAOA/AAAAAAAA4D8CAAAAjAAAAAAAAAAAAAAAu+DjDP///wgAAAAAAAAAAAAAAAAAAAAAAAAAAAAAAAAAAAAAZAAAAAEAAABAAAAAAAAAAAAAAAAAAAAAAAAAAAAAAAAAAAAAAAAAAAAAAAAAAAAAAAAAAAAAAAAAAAAAAAAAAAAAAAAAAAAAAAAAAAAAAAAAAAAAAAAAAAAAAAAAAAAAFAAAADwAAAAAAAAAAAAAAAAAAAkUAAAAAQAAABQAAAAUAAAAFAAAAAEAAAAAAAAAZAAAAGQAAAAAAAAAZAAAAGQAAAAVAAAAYAAAAAAAAAAAAAAADwAAACADAAAAAAAAAAAAAAEAAACgMgAAVgcAAKr4//8BAAAAf39/AAEAAABkAAAAAAAAABQAAABAHwAAAAAAACYAAAAAAAAAwOD//wAAAAAmAAAAZAAAABYAAABMAAAAAAAAAAAAAAAEAAAAAAAAAAEAAACAgIAKAAAAACgAAAAoAAAAZAAAAGQAAAAAAAAAzMzMAAAAAABQAAAAUAAAAGQAAABkAAAAAAAAAAcAAAA4AAAAAAAAAAAAAAAAAAAA////AAAAAAAAAAAAAAAAAAAAAAAAAAAAAAAAAAAAAABkAAAAZAAAAAAAAAAjAAAABAAAAGQAAAAXAAAAFAAAAAAAAAAAAAAA/38AAP9/AAAAAAAACQAAAAQAAAAAAAAADAAAABAAAAAAAAAAAAAAAAAAAAAAAAAAHgAAAGgAAAAAAAAAAAAAAAAAAAAAAAAAAAAAABAnAAAQJwAAAAAAAAAAAAAAAAAAAAAAAAAAAAAAAAAAAAAAAAAAAAAUAAAAAAAAAMDA/wAAAAAAZAAAADIAAAAAAAAAZAAAAAAAAAB/f38ACgAAAB8AAABUAAAAu+DjBf///wEAAAAAAAAAAAAAAAAAAAAAAAAAAAAAAAAAAAAAAAAAAAAAAAJ/f38AgICAA8zMzADAwP8Af39/AAAAAAAAAAAAAAAAAP///wAAAAAAIQAAABgAAAAUAAAA3gsAAFUBAAAsIAAA5w4AABAAAAAmAAAACAAAAP//////////"/>
               </a:ext>
             </a:extLst>
           </p:cNvPicPr>
@@ -3621,7 +3762,7 @@
             <a:picLocks noChangeAspect="1"/>
             <a:extLst>
               <a:ext uri="smNativeData">
-                <pr:smNativeData xmlns:pr="smNativeData" val="SMDATA_15_9MGoYxMAAAAlAAAAEQAAAC8BAAAAkAAAAEgAAACQAAAASAAAAAAAAAAAAAAAAAAAAAEAAABQAAAAAAAAAAAA4D8AAAAAAADgPwAAAAAAAOA/AAAAAAAA4D8AAAAAAADgPwAAAAAAAOA/AAAAAAAA4D8AAAAAAADgPwAAAAAAAOA/AAAAAAAA4D8CAAAAjAAAAAAAAAAAAAAAu+DjDP///wgAAAAAAAAAAAAAAAAAAAAAAAAAAAAAAAAAAAAAZAAAAAEAAABAAAAAAAAAAAAAAAAAAAAAAAAAAAAAAAAAAAAAAAAAAAAAAAAAAAAAAAAAAAAAAAAAAAAAAAAAAAAAAAAAAAAAAAAAAAAAAAAAAAAAAAAAAAAAAAAAAAAAFAAAADwAAAABAAAAAAAAAAAAAAsUAAAAAQAAABQAAAAUAAAAFAAAAAEAAAAAAAAAZAAAAGQAAAAAAAAAZAAAAGQAAAAVAAAAYAAAAAAAAAAAAAAADwAAACADAAAAAAAAAAAAAAEAAACgMgAAAAAAAAAAAAABAAAAf39/AAEAAABkAAAAAAAAABQAAABAHwAAAAAAACYAAAAAAAAAwOD//wAAAAAmAAAAZAAAABYAAABMAAAAAAAAAAAAAAAEAAAAAAAAAAEAAACAgIAKAAAAACgAAAAoAAAAZAAAAGQAAAAAAAAAzMzMAAAAAABQAAAAUAAAAGQAAABkAAAAAAAAAAcAAAA4AAAAAAAAAAAAAAAAAAAA////AAAAAAAAAAAAAAAAAAAAAAAAAAAAAAAAAAAAAABkAAAAZAAAAAAAAAAjAAAABAAAAGQAAAAXAAAAFAAAAAAAAAAAAAAA/38AAP9/AAAAAAAACQAAAAQAAAAAAAAADAAAABAAAAAAAAAAAAAAAAAAAAAAAAAAHgAAAGgAAAAAAAAAAAAAAAAAAAAAAAAAAAAAABAnAAAQJwAAAAAAAAAAAAAAAAAAAAAAAAAAAAAAAAAAAAAAAAAAAAAUAAAAAAAAAMDA/wAAAAAAZAAAADIAAAAAAAAAZAAAAAAAAAB/f38ACgAAAB8AAABUAAAAu+DjBf///wEAAAAAAAAAAAAAAAAAAAAAAAAAAAAAAAAAAAAAAAAAAAAAAAR/f38AgICAA8zMzADAwP8Af39/AAAAAAAAAAAAAAAAAP///wAAAAAAIQAAABgAAAAUAAAAbQEAADkBAAB6CwAANA8AAAAAAAAmAAAACAAAAP//////////"/>
+                <pr:smNativeData xmlns:pr="smNativeData" val="SMDATA_15_5iCqYxMAAAAlAAAAEQAAAC8BAAAAkAAAAEgAAACQAAAASAAAAAAAAAAAAAAAAAAAAAEAAABQAAAAAAAAAAAA4D8AAAAAAADgPwAAAAAAAOA/AAAAAAAA4D8AAAAAAADgPwAAAAAAAOA/AAAAAAAA4D8AAAAAAADgPwAAAAAAAOA/AAAAAAAA4D8CAAAAjAAAAAAAAAAAAAAAu+DjDP///wgAAAAAAAAAAAAAAAAAAAAAAAAAAAAAAAAAAAAAZAAAAAEAAABAAAAAAAAAAAAAAAAAAAAAAAAAAAAAAAAAAAAAAAAAAAAAAAAAAAAAAAAAAAAAAAAAAAAAAAAAAAAAAAAAAAAAAAAAAAAAAAAAAAAAAAAAAAAAAAAAAAAAFAAAADwAAAABAAAAAAAAAAAAAAsUAAAAAQAAABQAAAAUAAAAFAAAAAEAAAAAAAAAZAAAAGQAAAAAAAAAZAAAAGQAAAAVAAAAYAAAAAAAAAAAAAAADwAAACADAAAAAAAAAAAAAAEAAACgMgAAAAAAAAAAAAABAAAAf39/AAEAAABkAAAAAAAAABQAAABAHwAAAAAAACYAAAAAAAAAwOD//wAAAAAmAAAAZAAAABYAAABMAAAAAAAAAAAAAAAEAAAAAAAAAAEAAACAgIAKAAAAACgAAAAoAAAAZAAAAGQAAAAAAAAAzMzMAAAAAABQAAAAUAAAAGQAAABkAAAAAAAAAAcAAAA4AAAAAAAAAAAAAAAAAAAA////AAAAAAAAAAAAAAAAAAAAAAAAAAAAAAAAAAAAAABkAAAAZAAAAAAAAAAjAAAABAAAAGQAAAAXAAAAFAAAAAAAAAAAAAAA/38AAP9/AAAAAAAACQAAAAQAAAAAAAAADAAAABAAAAAAAAAAAAAAAAAAAAAAAAAAHgAAAGgAAAAAAAAAAAAAAAAAAAAAAAAAAAAAABAnAAAQJwAAAAAAAAAAAAAAAAAAAAAAAAAAAAAAAAAAAAAAAAAAAAAUAAAAAAAAAMDA/wAAAAAAZAAAADIAAAAAAAAAZAAAAAAAAAB/f38ACgAAAB8AAABUAAAAu+DjBf///wEAAAAAAAAAAAAAAAAAAAAAAAAAAAAAAAAAAAAAAAAAAAAAAAR/f38AgICAA8zMzADAwP8Af39/AAAAAAAAAAAAAAAAAP///wAAAAAAIQAAABgAAAAUAAAAbQEAADkBAAB6CwAANA8AABAAAAAmAAAACAAAAP//////////"/>
               </a:ext>
             </a:extLst>
           </p:cNvPicPr>
@@ -3660,7 +3801,7 @@
             <a:picLocks noChangeAspect="1"/>
             <a:extLst>
               <a:ext uri="smNativeData">
-                <pr:smNativeData xmlns:pr="smNativeData" val="SMDATA_15_9MGoYxMAAAAlAAAAEQAAAC8BAAAAkAAAAEgAAACQAAAASAAAAAAAAAAAAAAAAAAAAAEAAABQAAAAAAAAAAAA4D8AAAAAAADgPwAAAAAAAOA/AAAAAAAA4D8AAAAAAADgPwAAAAAAAOA/AAAAAAAA4D8AAAAAAADgPwAAAAAAAOA/AAAAAAAA4D8CAAAAjAAAAAAAAAAAAAAAu+DjDP///wgAAAAAAAAAAAAAAAAAAAAAAAAAAAAAAAAAAAAAZAAAAAEAAABAAAAAAAAAAAAAAAAAAAAAAAAAAAAAAAAAAAAAAAAAAAAAAAAAAAAAAAAAAAAAAAAAAAAAAAAAAAAAAAAAAAAAAAAAAAAAAAAAAAAAAAAAAAAAAAAAAAAAFAAAADwAAAAAAAAAAAAAAAAAAAkUAAAAAQAAABQAAAAUAAAAFAAAAAEAAAAAAAAAZAAAAGQAAAAAAAAAZAAAAGQAAAAVAAAAYAAAAAAAAAAAAAAADwAAACADAAAAAAAAAAAAAAEAAACgMgAAVgcAAKr4//8BAAAAf39/AAEAAABkAAAAAAAAABQAAABAHwAAAAAAACYAAAAAAAAAwOD//wAAAAAmAAAAZAAAABYAAABMAAAAAAAAAAAAAAAEAAAAAAAAAAEAAACAgIAKAAAAACgAAAAoAAAAZAAAAGQAAAAAAAAAzMzMAAAAAABQAAAAUAAAAGQAAABkAAAAAAAAAAcAAAA4AAAAAAAAAAAAAAAAAAAA////AAAAAAAAAAAAAAAAAAAAAAAAAAAAAAAAAAAAAABkAAAAZAAAAAAAAAAjAAAABAAAAGQAAAAXAAAAFAAAAAAAAAAAAAAA/38AAP9/AAAAAAAACQAAAAQAAACcxxIMDAAAABAAAAAAAAAAAAAAAAAAAAAAAAAAHgAAAGgAAAAAAAAAAAAAAAAAAAAAAAAAAAAAABAnAAAQJwAAAAAAAAAAAAAAAAAAAAAAAAAAAAAAAAAAAAAAAAAAAAAUAAAAAAAAAMDA/wAAAAAAZAAAADIAAAAAAAAAZAAAAAAAAAB/f38ACgAAAB8AAABUAAAAu+DjBf///wEAAAAAAAAAAAAAAAAAAAAAAAAAAAAAAAAAAAAAAAAAAAAAAAJ/f38AgICAA8zMzADAwP8Af39/AAAAAAAAAAAAAAAAAP///wAAAAAAIQAAABgAAAAUAAAAOSAAAAYBAABtKgAA0A4AAAAAAAAmAAAACAAAAP//////////"/>
+                <pr:smNativeData xmlns:pr="smNativeData" val="SMDATA_15_5iCqYxMAAAAlAAAAEQAAAC8BAAAAkAAAAEgAAACQAAAASAAAAAAAAAAAAAAAAAAAAAEAAABQAAAAAAAAAAAA4D8AAAAAAADgPwAAAAAAAOA/AAAAAAAA4D8AAAAAAADgPwAAAAAAAOA/AAAAAAAA4D8AAAAAAADgPwAAAAAAAOA/AAAAAAAA4D8CAAAAjAAAAAAAAAAAAAAAu+DjDP///wgAAAAAAAAAAAAAAAAAAAAAAAAAAAAAAAAAAAAAZAAAAAEAAABAAAAAAAAAAAAAAAAAAAAAAAAAAAAAAAAAAAAAAAAAAAAAAAAAAAAAAAAAAAAAAAAAAAAAAAAAAAAAAAAAAAAAAAAAAAAAAAAAAAAAAAAAAAAAAAAAAAAAFAAAADwAAAAAAAAAAAAAAAAAAAkUAAAAAQAAABQAAAAUAAAAFAAAAAEAAAAAAAAAZAAAAGQAAAAAAAAAZAAAAGQAAAAVAAAAYAAAAAAAAAAAAAAADwAAACADAAAAAAAAAAAAAAEAAACgMgAAVgcAAKr4//8BAAAAf39/AAEAAABkAAAAAAAAABQAAABAHwAAAAAAACYAAAAAAAAAwOD//wAAAAAmAAAAZAAAABYAAABMAAAAAAAAAAAAAAAEAAAAAAAAAAEAAACAgIAKAAAAACgAAAAoAAAAZAAAAGQAAAAAAAAAzMzMAAAAAABQAAAAUAAAAGQAAABkAAAAAAAAAAcAAAA4AAAAAAAAAAAAAAAAAAAA////AAAAAAAAAAAAAAAAAAAAAAAAAAAAAAAAAAAAAABkAAAAZAAAAAAAAAAjAAAABAAAAGQAAAAXAAAAFAAAAAAAAAAAAAAA/38AAP9/AAAAAAAACQAAAAQAAACcxxIMDAAAABAAAAAAAAAAAAAAAAAAAAAAAAAAHgAAAGgAAAAAAAAAAAAAAAAAAAAAAAAAAAAAABAnAAAQJwAAAAAAAAAAAAAAAAAAAAAAAAAAAAAAAAAAAAAAAAAAAAAUAAAAAAAAAMDA/wAAAAAAZAAAADIAAAAAAAAAZAAAAAAAAAB/f38ACgAAAB8AAABUAAAAu+DjBf///wEAAAAAAAAAAAAAAAAAAAAAAAAAAAAAAAAAAAAAAAAAAAAAAAJ/f38AgICAA8zMzADAwP8Af39/AAAAAAAAAAAAAAAAAP///wAAAAAAIQAAABgAAAAUAAAAOSAAAAYBAABtKgAA0A4AABAAAAAmAAAACAAAAP//////////"/>
               </a:ext>
             </a:extLst>
           </p:cNvPicPr>
@@ -3702,10 +3843,144 @@
 </p:sld>
 </file>
 
+<file path=ppt/slides/slide2.xml><?xml version="1.0" encoding="utf-8"?>
+<p:sld xmlns:p="http://schemas.openxmlformats.org/presentationml/2006/main" xmlns:p14="http://schemas.microsoft.com/office/powerpoint/2010/main" xmlns:r="http://schemas.openxmlformats.org/officeDocument/2006/relationships" xmlns:a="http://schemas.openxmlformats.org/drawingml/2006/main">
+  <p:cSld>
+    <p:spTree>
+      <p:nvGrpSpPr>
+        <p:cNvPr id="1" name=""/>
+        <p:cNvGrpSpPr/>
+        <p:nvPr/>
+      </p:nvGrpSpPr>
+      <p:grpSpPr>
+        <a:xfrm>
+          <a:off x="0" y="0"/>
+          <a:ext cx="0" cy="0"/>
+          <a:chOff x="0" y="0"/>
+          <a:chExt cx="0" cy="0"/>
+        </a:xfrm>
+      </p:grpSpPr>
+      <p:pic>
+        <p:nvPicPr>
+          <p:cNvPr id="2" name="Picture1"/>
+          <p:cNvPicPr>
+            <a:picLocks noChangeAspect="1"/>
+            <a:extLst>
+              <a:ext uri="smNativeData">
+                <pr:smNativeData xmlns:pr="smNativeData" val="SMDATA_15_5iCqYxMAAAAlAAAAEQAAAC8BAAAAkAAAAEgAAACQAAAASAAAAAAAAAAAAAAAAAAAAAEAAABQAAAAAAAAAAAA4D8AAAAAAADgPwAAAAAAAOA/AAAAAAAA4D8AAAAAAADgPwAAAAAAAOA/AAAAAAAA4D8AAAAAAADgPwAAAAAAAOA/AAAAAAAA4D8CAAAAjAAAAAAAAAAAAAAAu+DjDP///wgAAAAAAAAAAAAAAAAAAAAAAAAAAAAAAAAAAAAAZAAAAAEAAABAAAAAAAAAAAAAAAAAAAAAAAAAAAAAAAAAAAAAAAAAAAAAAAAAAAAAAAAAAAAAAAAAAAAAAAAAAAAAAAAAAAAAAAAAAAAAAAAAAAAAAAAAAAAAAAAAAAAAFAAAADwAAAAAAAAAAAAAAAAAAAkUAAAAAQAAABQAAAAUAAAAFAAAAAEAAAAAAAAAZAAAAGQAAAAAAAAAZAAAAGQAAAAVAAAAYAAAAAAAAAAAAAAADwAAACADAAAAAAAAAAAAAAEAAACgMgAAVgcAAKr4//8BAAAAf39/AAEAAABkAAAAAAAAABQAAABAHwAAAAAAACYAAAAAAAAAwOD//wAAAAAmAAAAZAAAABYAAABMAAAAAAAAAAAAAAAEAAAAAAAAAAEAAACAgIAKAAAAACgAAAAoAAAAZAAAAGQAAAAAAAAAzMzMAAAAAABQAAAAUAAAAGQAAABkAAAAAAAAAAcAAAA4AAAAAAAAAAAAAAAAAAAA////AAAAAAAAAAAAAAAAAAAAAAAAAAAAAAAAAAAAAABkAAAAZAAAAAAAAAAjAAAABAAAAGQAAAAXAAAAFAAAAAAAAAAAAAAA/38AAP9/AAAAAAAACQAAAAQAAAD/////DAAAABAAAAAAAAAAAAAAAAAAAAAAAAAAHgAAAGgAAAAAAAAAAAAAAAAAAAAAAAAAAAAAABAnAAAQJwAAAAAAAAAAAAAAAAAAAAAAAAAAAAAAAAAAAAAAAAAAAAAUAAAAAAAAAMDA/wAAAAAAZAAAADIAAAAAAAAAZAAAAAAAAAB/f38ACgAAAB8AAABUAAAAu+DjBf///wEAAAAAAAAAAAAAAAAAAAAAAAAAAAAAAAAAAAAAAAAAAAAAAAJ/f38AgICAA8zMzADAwP8Af39/AAAAAAAAAAAAAAAAAP///wAAAAAAIQAAABgAAAAUAAAAKg0AAAIPAABHGAAAUxkAAAAAAAAmAAAACAAAAP//////////"/>
+              </a:ext>
+            </a:extLst>
+          </p:cNvPicPr>
+          <p:nvPr/>
+        </p:nvPicPr>
+        <p:blipFill>
+          <a:blip r:embed="rId2"/>
+          <a:stretch>
+            <a:fillRect/>
+          </a:stretch>
+        </p:blipFill>
+        <p:spPr>
+          <a:xfrm>
+            <a:off x="2139950" y="2439670"/>
+            <a:ext cx="1806575" cy="1677035"/>
+          </a:xfrm>
+          <a:prstGeom prst="rect">
+            <a:avLst/>
+          </a:prstGeom>
+          <a:noFill/>
+          <a:ln>
+            <a:noFill/>
+          </a:ln>
+          <a:effectLst/>
+        </p:spPr>
+      </p:pic>
+      <p:pic>
+        <p:nvPicPr>
+          <p:cNvPr id="3" name="Picture2"/>
+          <p:cNvPicPr>
+            <a:picLocks noChangeAspect="1"/>
+            <a:extLst>
+              <a:ext uri="smNativeData">
+                <pr:smNativeData xmlns:pr="smNativeData" val="SMDATA_15_5iCqYxMAAAAlAAAAEQAAAC8BAAAAkAAAAEgAAACQAAAASAAAAAAAAAAAAAAAAAAAAAEAAABQAAAAAAAAAAAA4D8AAAAAAADgPwAAAAAAAOA/AAAAAAAA4D8AAAAAAADgPwAAAAAAAOA/AAAAAAAA4D8AAAAAAADgPwAAAAAAAOA/AAAAAAAA4D8CAAAAjAAAAAAAAAAAAAAAu+DjDP///wgAAAAAAAAAAAAAAAAAAAAAAAAAAAAAAAAAAAAAZAAAAAEAAABAAAAAAAAAAAAAAAAAAAAAAAAAAAAAAAAAAAAAAAAAAAAAAAAAAAAAAAAAAAAAAAAAAAAAAAAAAAAAAAAAAAAAAAAAAAAAAAAAAAAAAAAAAAAAAAAAAAAAFAAAADwAAAAAAAAAAAAAAAAAAAkUAAAAAQAAABQAAAAUAAAAFAAAAAEAAAAAAAAAZAAAAGQAAAAAAAAAZAAAAGQAAAAVAAAAYAAAAAAAAAAAAAAADwAAACADAAAAAAAAAAAAAAEAAACgMgAAVgcAAKr4//8BAAAAf39/AAEAAABkAAAAAAAAABQAAABAHwAAAAAAACYAAAAAAAAAwOD//wAAAAAmAAAAZAAAABYAAABMAAAAAAAAAAAAAAAEAAAAAAAAAAEAAACAgIAKAAAAACgAAAAoAAAAZAAAAGQAAAAAAAAAzMzMAAAAAABQAAAAUAAAAGQAAABkAAAAAAAAAAcAAAA4AAAAAAAAAAAAAAAAAAAA////AAAAAAAAAAAAAAAAAAAAAAAAAAAAAAAAAAAAAABkAAAAZAAAAAAAAAAjAAAABAAAAGQAAAAXAAAAFAAAAAAAAAAAAAAA/38AAP9/AAAAAAAACQAAAAQAAAC6AgAADAAAABAAAAAAAAAAAAAAAAAAAAAAAAAAHgAAAGgAAAAAAAAAAAAAAAAAAAAAAAAAAAAAABAnAAAQJwAAAAAAAAAAAAAAAAAAAAAAAAAAAAAAAAAAAAAAAAAAAAAUAAAAAAAAAMDA/wAAAAAAZAAAADIAAAAAAAAAZAAAAAAAAAB/f38ACgAAAB8AAABUAAAAu+DjBf///wEAAAAAAAAAAAAAAAAAAAAAAAAAAAAAAAAAAAAAAAAAAAAAAAJ/f38AgICAA8zMzADAwP8Af39/AAAAAAAAAAAAAAAAAP///wAAAAAAIQAAABgAAAAUAAAAVRgAAAIPAAAEIwAAKRkAAAAAAAAmAAAACAAAAP//////////"/>
+              </a:ext>
+            </a:extLst>
+          </p:cNvPicPr>
+          <p:nvPr/>
+        </p:nvPicPr>
+        <p:blipFill>
+          <a:blip r:embed="rId3"/>
+          <a:stretch>
+            <a:fillRect/>
+          </a:stretch>
+        </p:blipFill>
+        <p:spPr>
+          <a:xfrm>
+            <a:off x="3955415" y="2439670"/>
+            <a:ext cx="1736725" cy="1650365"/>
+          </a:xfrm>
+          <a:prstGeom prst="rect">
+            <a:avLst/>
+          </a:prstGeom>
+          <a:noFill/>
+          <a:ln>
+            <a:noFill/>
+          </a:ln>
+          <a:effectLst/>
+        </p:spPr>
+      </p:pic>
+      <p:pic>
+        <p:nvPicPr>
+          <p:cNvPr id="4" name="Picture3"/>
+          <p:cNvPicPr>
+            <a:picLocks noChangeAspect="1"/>
+            <a:extLst>
+              <a:ext uri="smNativeData">
+                <pr:smNativeData xmlns:pr="smNativeData" val="SMDATA_15_5iCqYxMAAAAlAAAAEQAAAC8BAAAAkAAAAEgAAACQAAAASAAAAAAAAAAAAAAAAAAAAAEAAABQAAAAAAAAAAAA4D8AAAAAAADgPwAAAAAAAOA/AAAAAAAA4D8AAAAAAADgPwAAAAAAAOA/AAAAAAAA4D8AAAAAAADgPwAAAAAAAOA/AAAAAAAA4D8CAAAAjAAAAAAAAAAAAAAAu+DjDP///wgAAAAAAAAAAAAAAAAAAAAAAAAAAAAAAAAAAAAAZAAAAAEAAABAAAAAAAAAAAAAAAAAAAAAAAAAAAAAAAAAAAAAAAAAAAAAAAAAAAAAAAAAAAAAAAAAAAAAAAAAAAAAAAAAAAAAAAAAAAAAAAAAAAAAAAAAAAAAAAAAAAAAFAAAADwAAAAAAAAAAAAAAAAAAAkUAAAAAQAAABQAAAAUAAAAFAAAAAEAAAAAAAAAZAAAAGQAAAAAAAAAZAAAAGQAAAAVAAAAYAAAAAAAAAAAAAAADwAAACADAAAAAAAAAAAAAAEAAACgMgAAVgcAAKr4//8BAAAAf39/AAEAAABkAAAAAAAAABQAAABAHwAAAAAAACYAAAAAAAAAwOD//wAAAAAmAAAAZAAAABYAAABMAAAAAAAAAAAAAAAEAAAAAAAAAAEAAACAgIAKAAAAACgAAAAoAAAAZAAAAGQAAAAAAAAAzMzMAAAAAABQAAAAUAAAAGQAAABkAAAAAAAAAAcAAAA4AAAAAAAAAAAAAAAAAAAA////AAAAAAAAAAAAAAAAAAAAAAAAAAAAAAAAAAAAAABkAAAAZAAAAAAAAAAjAAAABAAAAGQAAAAXAAAAFAAAAAAAAAAAAAAA/38AAP9/AAAAAAAACQAAAAQAAAAAAAAADAAAABAAAAAAAAAAAAAAAAAAAAAAAAAAHgAAAGgAAAAAAAAAAAAAAAAAAAAAAAAAAAAAABAnAAAQJwAAAAAAAAAAAAAAAAAAAAAAAAAAAAAAAAAAAAAAAAAAAAAUAAAAAAAAAMDA/wAAAAAAZAAAADIAAAAAAAAAZAAAAAAAAAB/f38ACgAAAB8AAABUAAAAu+DjBf///wEAAAAAAAAAAAAAAAAAAAAAAAAAAAAAAAAAAAAAAAAAAAAAAAJ/f38AgICAA8zMzADAwP8Af39/AAAAAAAAAAAAAAAAAP///wAAAAAAIQAAABgAAAAUAAAAUwEAAAIPAADODAAAKRkAAAAAAAAmAAAACAAAAP//////////"/>
+              </a:ext>
+            </a:extLst>
+          </p:cNvPicPr>
+          <p:nvPr/>
+        </p:nvPicPr>
+        <p:blipFill>
+          <a:blip r:embed="rId4"/>
+          <a:stretch>
+            <a:fillRect/>
+          </a:stretch>
+        </p:blipFill>
+        <p:spPr>
+          <a:xfrm>
+            <a:off x="215265" y="2439670"/>
+            <a:ext cx="1866265" cy="1650365"/>
+          </a:xfrm>
+          <a:prstGeom prst="rect">
+            <a:avLst/>
+          </a:prstGeom>
+          <a:noFill/>
+          <a:ln>
+            <a:noFill/>
+          </a:ln>
+          <a:effectLst/>
+        </p:spPr>
+      </p:pic>
+    </p:spTree>
+  </p:cSld>
+  <p:clrMapOvr>
+    <a:masterClrMapping/>
+  </p:clrMapOvr>
+  <p:timing>
+    <p:tnLst>
+      <p:par>
+        <p:cTn id="1" dur="indefinite" restart="never" nodeType="tmRoot"/>
+      </p:par>
+    </p:tnLst>
+  </p:timing>
+</p:sld>
+</file>
+
 <file path=ppt/theme/theme1.xml><?xml version="1.0" encoding="utf-8"?>
 <a:theme xmlns:a="http://schemas.openxmlformats.org/drawingml/2006/main" name="Presentation">
   <a:themeElements>
-    <a:clrScheme name="Presentation 12">
+    <a:clrScheme name="Presentation 1">
       <a:dk1>
         <a:srgbClr val="000000"/>
       </a:dk1>
@@ -3965,6 +4240,47 @@
           <a:srgbClr val="000000"/>
         </a:dk2>
         <a:lt2>
+          <a:srgbClr val="808080"/>
+        </a:lt2>
+        <a:accent1>
+          <a:srgbClr val="BBE0E3"/>
+        </a:accent1>
+        <a:accent2>
+          <a:srgbClr val="333399"/>
+        </a:accent2>
+        <a:accent3>
+          <a:srgbClr val="535379"/>
+        </a:accent3>
+        <a:accent4>
+          <a:srgbClr val="737359"/>
+        </a:accent4>
+        <a:accent5>
+          <a:srgbClr val="939339"/>
+        </a:accent5>
+        <a:accent6>
+          <a:srgbClr val="B3B319"/>
+        </a:accent6>
+        <a:hlink>
+          <a:srgbClr val="009999"/>
+        </a:hlink>
+        <a:folHlink>
+          <a:srgbClr val="99CC00"/>
+        </a:folHlink>
+      </a:clrScheme>
+      <a:clrMap bg1="lt1" tx1="dk1" bg2="lt2" tx2="dk2" accent1="accent1" accent2="accent2" accent3="accent3" accent4="accent4" accent5="accent5" accent6="accent6" hlink="hlink" folHlink="folHlink"/>
+    </a:extraClrScheme>
+    <a:extraClrScheme>
+      <a:clrScheme name="Presentation 2">
+        <a:dk1>
+          <a:srgbClr val="000000"/>
+        </a:dk1>
+        <a:lt1>
+          <a:srgbClr val="FFFFFF"/>
+        </a:lt1>
+        <a:dk2>
+          <a:srgbClr val="000000"/>
+        </a:dk2>
+        <a:lt2>
           <a:srgbClr val="969696"/>
         </a:lt2>
         <a:accent1>
@@ -3995,7 +4311,7 @@
       <a:clrMap bg1="lt1" tx1="dk1" bg2="lt2" tx2="dk2" accent1="accent1" accent2="accent2" accent3="accent3" accent4="accent4" accent5="accent5" accent6="accent6" hlink="hlink" folHlink="folHlink"/>
     </a:extraClrScheme>
     <a:extraClrScheme>
-      <a:clrScheme name="Presentation 2">
+      <a:clrScheme name="Presentation 3">
         <a:dk1>
           <a:srgbClr val="000000"/>
         </a:dk1>
@@ -4036,7 +4352,7 @@
       <a:clrMap bg1="lt1" tx1="dk1" bg2="lt2" tx2="dk2" accent1="accent1" accent2="accent2" accent3="accent3" accent4="accent4" accent5="accent5" accent6="accent6" hlink="hlink" folHlink="folHlink"/>
     </a:extraClrScheme>
     <a:extraClrScheme>
-      <a:clrScheme name="Presentation 3">
+      <a:clrScheme name="Presentation 4">
         <a:dk1>
           <a:srgbClr val="000000"/>
         </a:dk1>
@@ -4077,7 +4393,7 @@
       <a:clrMap bg1="lt1" tx1="dk1" bg2="lt2" tx2="dk2" accent1="accent1" accent2="accent2" accent3="accent3" accent4="accent4" accent5="accent5" accent6="accent6" hlink="hlink" folHlink="folHlink"/>
     </a:extraClrScheme>
     <a:extraClrScheme>
-      <a:clrScheme name="Presentation 4">
+      <a:clrScheme name="Presentation 5">
         <a:dk1>
           <a:srgbClr val="000000"/>
         </a:dk1>
@@ -4118,7 +4434,7 @@
       <a:clrMap bg1="lt1" tx1="dk1" bg2="lt2" tx2="dk2" accent1="accent1" accent2="accent2" accent3="accent3" accent4="accent4" accent5="accent5" accent6="accent6" hlink="hlink" folHlink="folHlink"/>
     </a:extraClrScheme>
     <a:extraClrScheme>
-      <a:clrScheme name="Presentation 5">
+      <a:clrScheme name="Presentation 6">
         <a:dk1>
           <a:srgbClr val="FFFFFF"/>
         </a:dk1>
@@ -4159,7 +4475,7 @@
       <a:clrMap bg1="lt1" tx1="dk1" bg2="lt2" tx2="dk2" accent1="accent1" accent2="accent2" accent3="accent3" accent4="accent4" accent5="accent5" accent6="accent6" hlink="hlink" folHlink="folHlink"/>
     </a:extraClrScheme>
     <a:extraClrScheme>
-      <a:clrScheme name="Presentation 6">
+      <a:clrScheme name="Presentation 7">
         <a:dk1>
           <a:srgbClr val="FFFFFF"/>
         </a:dk1>
@@ -4200,7 +4516,7 @@
       <a:clrMap bg1="lt1" tx1="dk1" bg2="lt2" tx2="dk2" accent1="accent1" accent2="accent2" accent3="accent3" accent4="accent4" accent5="accent5" accent6="accent6" hlink="hlink" folHlink="folHlink"/>
     </a:extraClrScheme>
     <a:extraClrScheme>
-      <a:clrScheme name="Presentation 7">
+      <a:clrScheme name="Presentation 8">
         <a:dk1>
           <a:srgbClr val="FFFFFF"/>
         </a:dk1>
@@ -4241,7 +4557,7 @@
       <a:clrMap bg1="lt1" tx1="dk1" bg2="lt2" tx2="dk2" accent1="accent1" accent2="accent2" accent3="accent3" accent4="accent4" accent5="accent5" accent6="accent6" hlink="hlink" folHlink="folHlink"/>
     </a:extraClrScheme>
     <a:extraClrScheme>
-      <a:clrScheme name="Presentation 8">
+      <a:clrScheme name="Presentation 9">
         <a:dk1>
           <a:srgbClr val="FFFFFF"/>
         </a:dk1>
@@ -4282,7 +4598,7 @@
       <a:clrMap bg1="lt1" tx1="dk1" bg2="lt2" tx2="dk2" accent1="accent1" accent2="accent2" accent3="accent3" accent4="accent4" accent5="accent5" accent6="accent6" hlink="hlink" folHlink="folHlink"/>
     </a:extraClrScheme>
     <a:extraClrScheme>
-      <a:clrScheme name="Presentation 9">
+      <a:clrScheme name="Presentation 10">
         <a:dk1>
           <a:srgbClr val="FFFFFF"/>
         </a:dk1>
@@ -4323,7 +4639,7 @@
       <a:clrMap bg1="lt1" tx1="dk1" bg2="lt2" tx2="dk2" accent1="accent1" accent2="accent2" accent3="accent3" accent4="accent4" accent5="accent5" accent6="accent6" hlink="hlink" folHlink="folHlink"/>
     </a:extraClrScheme>
     <a:extraClrScheme>
-      <a:clrScheme name="Presentation 10">
+      <a:clrScheme name="Presentation 11">
         <a:dk1>
           <a:srgbClr val="FFFFFF"/>
         </a:dk1>
@@ -4364,7 +4680,7 @@
       <a:clrMap bg1="lt1" tx1="dk1" bg2="lt2" tx2="dk2" accent1="accent1" accent2="accent2" accent3="accent3" accent4="accent4" accent5="accent5" accent6="accent6" hlink="hlink" folHlink="folHlink"/>
     </a:extraClrScheme>
     <a:extraClrScheme>
-      <a:clrScheme name="Presentation 11">
+      <a:clrScheme name="Presentation 12">
         <a:dk1>
           <a:srgbClr val="FFFFFF"/>
         </a:dk1>
@@ -4405,7 +4721,7 @@
       <a:clrMap bg1="lt1" tx1="dk1" bg2="lt2" tx2="dk2" accent1="accent1" accent2="accent2" accent3="accent3" accent4="accent4" accent5="accent5" accent6="accent6" hlink="hlink" folHlink="folHlink"/>
     </a:extraClrScheme>
     <a:extraClrScheme>
-      <a:clrScheme name="Presentation 12">
+      <a:clrScheme name="Presentation 13">
         <a:dk1>
           <a:srgbClr val="000000"/>
         </a:dk1>

--- a/images/WebFig.pptx
+++ b/images/WebFig.pptx
@@ -7,6 +7,7 @@
   <p:sldIdLst>
     <p:sldId id="256" r:id="rId6"/>
     <p:sldId id="257" r:id="rId7"/>
+    <p:sldId id="258" r:id="rId8"/>
   </p:sldIdLst>
   <p:sldSz cx="9144000" cy="6858000"/>
   <p:notesSz cx="6858000" cy="9144000"/>
@@ -237,7 +238,7 @@
             <a:spLocks noGrp="1" noChangeArrowheads="1"/>
             <a:extLst>
               <a:ext uri="smNativeData">
-                <pr:smNativeData xmlns:pr="smNativeData" val="SMDATA_13_5iCqYxMAAAAlAAAAZAAAAA8BAAAAkAAAAEgAAACQAAAASAAAAAAAAAABAAAAAAAAAAEAAABQAAAAAAAAAAAA4D8AAAAAAADgPwAAAAAAAOA/AAAAAAAA4D8AAAAAAADgPwAAAAAAAOA/AAAAAAAA4D8AAAAAAADgPwAAAAAAAOA/AAAAAAAA4D8CAAAAjAAAAAAAAAAAAAAAu+DjDP///wgAAAAAAAAAAAAAAAAAAAAAAAAAAAAAAAAAAAAAZAAAAAEAAABAAAAAAAAAAAAAAAAAAAAAAAAAAAAAAAAAAAAAAAAAAAAAAAAAAAAAAAAAAAAAAAAAAAAAAAAAAAAAAAAAAAAAAAAAAAAAAAAAAAAAAAAAAAAAAAAAAAAAFAAAADwAAAAAAAAAAAAAAAAAAAkUAAAAAQAAABQAAAAUAAAAFAAAAAEAAAAAAAAAZAAAAGQAAAAAAAAAZAAAAGQAAAAVAAAAYAAAAAAAAAAAAAAADwAAACADAAAAAAAAAAAAAAEAAACgMgAAVgcAAKr4//8BAAAAf39/AAEAAABkAAAAAAAAABQAAABAHwAAAAAAACYAAAAAAAAAwOD//wAAAAAmAAAAZAAAABYAAABMAAAAAAAAAAAAAAAEAAAAAAAAAAEAAACAgIAKAAAAACgAAAAoAAAAZAAAAGQAAAAAAAAAzMzMAAAAAABQAAAAUAAAAGQAAABkAAAAAAAAABcAAAAUAAAAAAAAAAAAAAD/fwAA/38AAAAAAAAJAAAABAAAAAAAAAAMAAAAEAAAAAAAAAAAAAAAAAAAAAAAAAAeAAAAaAAAAAAAAAAAAAAAAAAAAAAAAAAAAAAAECcAABAnAAAAAAAAAAAAAAAAAAAAAAAAAAAAAAAAAAAAAAAAAAAAABQAAAAAAAAAwMD/AAAAAABkAAAAMgAAAAAAAABkAAAAAAAAAH9/fwAKAAAAHwAAAFQAAAAAAAAFAAAAAQAAAAAAAAAAAAAAAAAAAAAAAAAAAAAAAAAAAAAAAAAAAAAAAn9/fwAAAAADzMzMAMDA/wB/f38AAAAAAAAAAAAAAAAAAAAAAAAAAAAhAAAAGAAAABQAAAA4BAAAGg0AAAg0AAAmFgAAEAAAACYAAAAIAAAAAQAAAAAAAAA="/>
+                <pr:smNativeData xmlns:pr="smNativeData" val="SMDATA_13_cFGrYxMAAAAlAAAAZAAAAA8BAAAAkAAAAEgAAACQAAAASAAAAAAAAAABAAAAAAAAAAEAAABQAAAAAAAAAAAA4D8AAAAAAADgPwAAAAAAAOA/AAAAAAAA4D8AAAAAAADgPwAAAAAAAOA/AAAAAAAA4D8AAAAAAADgPwAAAAAAAOA/AAAAAAAA4D8CAAAAjAAAAAAAAAAAAAAAu+DjDP///wgAAAAAAAAAAAAAAAAAAAAAAAAAAAAAAAAAAAAAZAAAAAEAAABAAAAAAAAAAAAAAAAAAAAAAAAAAAAAAAAAAAAAAAAAAAAAAAAAAAAAAAAAAAAAAAAAAAAAAAAAAAAAAAAAAAAAAAAAAAAAAAAAAAAAAAAAAAAAAAAAAAAAFAAAADwAAAAAAAAAAAAAAAAAAAkUAAAAAQAAABQAAAAUAAAAFAAAAAEAAAAAAAAAZAAAAGQAAAAAAAAAZAAAAGQAAAAVAAAAYAAAAAAAAAAAAAAADwAAACADAAAAAAAAAAAAAAEAAACgMgAAVgcAAKr4//8BAAAAf39/AAEAAABkAAAAAAAAABQAAABAHwAAAAAAACYAAAAAAAAAwOD//wAAAAAmAAAAZAAAABYAAABMAAAAAAAAAAAAAAAEAAAAAAAAAAEAAACAgIAKAAAAACgAAAAoAAAAZAAAAGQAAAAAAAAAzMzMAAAAAABQAAAAUAAAAGQAAABkAAAAAAAAABcAAAAUAAAAAAAAAAAAAAD/fwAA/38AAAAAAAAJAAAABAAAAAAAAAAMAAAAEAAAAAAAAAAAAAAAAAAAAAAAAAAeAAAAaAAAAAAAAAAAAAAAAAAAAAAAAAAAAAAAECcAABAnAAAAAAAAAAAAAAAAAAAAAAAAAAAAAAAAAAAAAAAAAAAAABQAAAAAAAAAwMD/AAAAAABkAAAAMgAAAAAAAABkAAAAAAAAAH9/fwAKAAAAHwAAAFQAAAAAAAAFAAAAAQAAAAAAAAAAAAAAAAAAAAAAAAAAAAAAAAAAAAAAAAAAAAAAAn9/fwAAAAADzMzMAMDA/wB/f38AAAAAAAAAAAAAAAAAAAAAAAAAAAAhAAAAGAAAABQAAAA4BAAAGg0AAAg0AAAmFgAAEAAAACYAAAAIAAAAAQAAAAAAAAA="/>
               </a:ext>
             </a:extLst>
           </p:cNvSpPr>
@@ -269,7 +270,7 @@
             <a:spLocks noGrp="1" noChangeArrowheads="1"/>
             <a:extLst>
               <a:ext uri="smNativeData">
-                <pr:smNativeData xmlns:pr="smNativeData" val="SMDATA_13_5iCqYxMAAAAlAAAAZAAAAA8BAAAAkAAAAEgAAACQAAAASAAAAAAAAAAAAAAAAAAAAAEAAABQAAAAAAAAAAAA4D8AAAAAAADgPwAAAAAAAOA/AAAAAAAA4D8AAAAAAADgPwAAAAAAAOA/AAAAAAAA4D8AAAAAAADgPwAAAAAAAOA/AAAAAAAA4D8CAAAAjAAAAAAAAAAAAAAAu+DjDP///wgAAAAAAAAAAAAAAAAAAAAAAAAAAAAAAAAAAAAAZAAAAAEAAABAAAAAAAAAAAAAAAAAAAAAAAAAAAAAAAAAAAAAAAAAAAAAAAAAAAAAAAAAAAAAAAAAAAAAAAAAAAAAAAAAAAAAAAAAAAAAAAAAAAAAAAAAAAAAAAAAAAAAFAAAADwAAAAAAAAAAAAAAAAAAAkUAAAAAQAAABQAAAAUAAAAFAAAAAEAAAAAAAAAZAAAAGQAAAAAAAAAZAAAAGQAAAAVAAAAYAAAAAAAAAAAAAAADwAAACADAAAAAAAAAAAAAAEAAACgMgAAVgcAAKr4//8BAAAAf39/AAEAAABkAAAAAAAAABQAAABAHwAAAAAAACYAAAAAAAAAwOD//wAAAAAmAAAAZAAAABYAAABMAAAAAAAAAAAAAAAEAAAAAAAAAAEAAACAgIAKAAAAACgAAAAoAAAAZAAAAGQAAAAAAAAAzMzMAAAAAABQAAAAUAAAAGQAAABkAAAAAAAAABcAAAAUAAAAAAAAAAAAAAD/fwAA/38AAAAAAAAJAAAABAAAAAAAAAAMAAAAEAAAAAAAAAAAAAAAAAAAAAAAAAAeAAAAaAAAAAAAAAAAAAAAAAAAAAAAAAAAAAAAECcAABAnAAAAAAAAAAAAAAAAAAAAAAAAAAAAAAAAAAAAAAAAAAAAABQAAAAAAAAAwMD/AAAAAABkAAAAMgAAAAAAAABkAAAAAAAAAH9/fwAKAAAAHwAAAFQAAAAAAAAFAAAAAQAAAAAAAAAAAAAAAAAAAAAAAAAAAAAAAAAAAAAAAAAAAAAAAn9/fwAAAAADzMzMAMDA/wB/f38AAAAAAAAAAAAAAAAAAAAAAAAAAAAhAAAAGAAAABQAAABwCAAA6BcAANAvAACwIgAAEAAAACYAAAAIAAAAAYAAAAAAAAA="/>
+                <pr:smNativeData xmlns:pr="smNativeData" val="SMDATA_13_cFGrYxMAAAAlAAAAZAAAAA8BAAAAkAAAAEgAAACQAAAASAAAAAAAAAAAAAAAAAAAAAEAAABQAAAAAAAAAAAA4D8AAAAAAADgPwAAAAAAAOA/AAAAAAAA4D8AAAAAAADgPwAAAAAAAOA/AAAAAAAA4D8AAAAAAADgPwAAAAAAAOA/AAAAAAAA4D8CAAAAjAAAAAAAAAAAAAAAu+DjDP///wgAAAAAAAAAAAAAAAAAAAAAAAAAAAAAAAAAAAAAZAAAAAEAAABAAAAAAAAAAAAAAAAAAAAAAAAAAAAAAAAAAAAAAAAAAAAAAAAAAAAAAAAAAAAAAAAAAAAAAAAAAAAAAAAAAAAAAAAAAAAAAAAAAAAAAAAAAAAAAAAAAAAAFAAAADwAAAAAAAAAAAAAAAAAAAkUAAAAAQAAABQAAAAUAAAAFAAAAAEAAAAAAAAAZAAAAGQAAAAAAAAAZAAAAGQAAAAVAAAAYAAAAAAAAAAAAAAADwAAACADAAAAAAAAAAAAAAEAAACgMgAAVgcAAKr4//8BAAAAf39/AAEAAABkAAAAAAAAABQAAABAHwAAAAAAACYAAAAAAAAAwOD//wAAAAAmAAAAZAAAABYAAABMAAAAAAAAAAAAAAAEAAAAAAAAAAEAAACAgIAKAAAAACgAAAAoAAAAZAAAAGQAAAAAAAAAzMzMAAAAAABQAAAAUAAAAGQAAABkAAAAAAAAABcAAAAUAAAAAAAAAAAAAAD/fwAA/38AAAAAAAAJAAAABAAAAAAAAAAMAAAAEAAAAAAAAAAAAAAAAAAAAAAAAAAeAAAAaAAAAAAAAAAAAAAAAAAAAAAAAAAAAAAAECcAABAnAAAAAAAAAAAAAAAAAAAAAAAAAAAAAAAAAAAAAAAAAAAAABQAAAAAAAAAwMD/AAAAAABkAAAAMgAAAAAAAABkAAAAAAAAAH9/fwAKAAAAHwAAAFQAAAAAAAAFAAAAAQAAAAAAAAAAAAAAAAAAAAAAAAAAAAAAAAAAAAAAAAAAAAAAAn9/fwAAAAADzMzMAMDA/wB/f38AAAAAAAAAAAAAAAAAAAAAAAAAAAAhAAAAGAAAABQAAABwCAAA6BcAANAvAACwIgAAEAAAACYAAAAIAAAAAYAAAAAAAAA="/>
               </a:ext>
             </a:extLst>
           </p:cNvSpPr>
@@ -329,7 +330,7 @@
             <a:spLocks noGrp="1" noChangeArrowheads="1"/>
             <a:extLst>
               <a:ext uri="smNativeData">
-                <pr:smNativeData xmlns:pr="smNativeData" val="SMDATA_13_5iCqYxMAAAAlAAAAZAAAAA8BAAAAkAAAAEgAAACQAAAASAAAAAAAAAABAAAAAAAAAAEAAABQAAAAAAAAAAAA4D8AAAAAAADgPwAAAAAAAOA/AAAAAAAA4D8AAAAAAADgPwAAAAAAAOA/AAAAAAAA4D8AAAAAAADgPwAAAAAAAOA/AAAAAAAA4D8CAAAAjAAAAAAAAAAAAAAAu+DjDP///wgAAAAAAAAAAAAAAAAAAAAAAAAAAAAAAAAAAAAAZAAAAAEAAABAAAAAAAAAAAAAAAAAAAAAAAAAAAAAAAAAAAAAAAAAAAAAAAAAAAAAAAAAAAAAAAAAAAAAAAAAAAAAAAAAAAAAAAAAAAAAAAAAAAAAAAAAAAAAAAAAAAAAFAAAADwAAAAAAAAAAAAAAAAAAAkUAAAAAQAAABQAAAAUAAAAFAAAAAEAAAAAAAAAZAAAAGQAAAAAAAAAZAAAAGQAAAAVAAAAYAAAAAAAAAAAAAAADwAAACADAAAAAAAAAAAAAAEAAACgMgAAVgcAAKr4//8BAAAAf39/AAEAAABkAAAAAAAAABQAAABAHwAAAAAAACYAAAAAAAAAwOD//wAAAAAmAAAAZAAAABYAAABMAAAAAAAAAAAAAAAEAAAAAAAAAAEAAACAgIAKAAAAACgAAAAoAAAAZAAAAGQAAAAAAAAAzMzMAAAAAABQAAAAUAAAAGQAAABkAAAAAAAAABcAAAAUAAAAAAAAAAAAAAD/fwAA/38AAAAAAAAJAAAABAAAAAAAAAAMAAAAEAAAAAAAAAAAAAAAAAAAAAAAAAAeAAAAaAAAAAAAAAAAAAAAAAAAAAAAAAAAAAAAECcAABAnAAAAAAAAAAAAAAAAAAAAAAAAAAAAAAAAAAAAAAAAAAAAABQAAAAAAAAAwMD/AAAAAABkAAAAMgAAAAAAAABkAAAAAAAAAH9/fwAKAAAAHwAAAFQAAAAAAAAFAAAAAQAAAAAAAAAAAAAAAAAAAAAAAAAAAAAAAAAAAAAAAAAAAAAAAn9/fwAAAAADzMzMAMDA/wB/f38AAAAAAAAAAAAAAAAAAAAAAAAAAAAhAAAAGAAAABQAAADQAgAAGycAAPAPAABZKQAAEAAAACYAAAAIAAAAAAAAAAAAAAA="/>
+                <pr:smNativeData xmlns:pr="smNativeData" val="SMDATA_13_cFGrYxMAAAAlAAAAZAAAAA8BAAAAkAAAAEgAAACQAAAASAAAAAAAAAABAAAAAAAAAAEAAABQAAAAAAAAAAAA4D8AAAAAAADgPwAAAAAAAOA/AAAAAAAA4D8AAAAAAADgPwAAAAAAAOA/AAAAAAAA4D8AAAAAAADgPwAAAAAAAOA/AAAAAAAA4D8CAAAAjAAAAAAAAAAAAAAAu+DjDP///wgAAAAAAAAAAAAAAAAAAAAAAAAAAAAAAAAAAAAAZAAAAAEAAABAAAAAAAAAAAAAAAAAAAAAAAAAAAAAAAAAAAAAAAAAAAAAAAAAAAAAAAAAAAAAAAAAAAAAAAAAAAAAAAAAAAAAAAAAAAAAAAAAAAAAAAAAAAAAAAAAAAAAFAAAADwAAAAAAAAAAAAAAAAAAAkUAAAAAQAAABQAAAAUAAAAFAAAAAEAAAAAAAAAZAAAAGQAAAAAAAAAZAAAAGQAAAAVAAAAYAAAAAAAAAAAAAAADwAAACADAAAAAAAAAAAAAAEAAACgMgAAVgcAAKr4//8BAAAAf39/AAEAAABkAAAAAAAAABQAAABAHwAAAAAAACYAAAAAAAAAwOD//wAAAAAmAAAAZAAAABYAAABMAAAAAAAAAAAAAAAEAAAAAAAAAAEAAACAgIAKAAAAACgAAAAoAAAAZAAAAGQAAAAAAAAAzMzMAAAAAABQAAAAUAAAAGQAAABkAAAAAAAAABcAAAAUAAAAAAAAAAAAAAD/fwAA/38AAAAAAAAJAAAABAAAAAAAAAAMAAAAEAAAAAAAAAAAAAAAAAAAAAAAAAAeAAAAaAAAAAAAAAAAAAAAAAAAAAAAAAAAAAAAECcAABAnAAAAAAAAAAAAAAAAAAAAAAAAAAAAAAAAAAAAAAAAAAAAABQAAAAAAAAAwMD/AAAAAABkAAAAMgAAAAAAAABkAAAAAAAAAH9/fwAKAAAAHwAAAFQAAAAAAAAFAAAAAQAAAAAAAAAAAAAAAAAAAAAAAAAAAAAAAAAAAAAAAAAAAAAAAn9/fwAAAAADzMzMAMDA/wB/f38AAAAAAAAAAAAAAAAAAAAAAAAAAAAhAAAAGAAAABQAAADQAgAAGycAAPAPAABZKQAAEAAAACYAAAAIAAAAAAAAAAAAAAA="/>
               </a:ext>
             </a:extLst>
           </p:cNvSpPr>
@@ -343,7 +344,7 @@
           <a:lstStyle/>
           <a:p>
             <a:pPr/>
-            <a:fld id="{2683A6B2-FCCB-D650-853B-0A05E875735F}" type="datetime1">
+            <a:fld id="{21E7F4BD-F3CC-B202-825F-0557BA117450}" type="datetime1">
               <a:t/>
             </a:fld>
           </a:p>
@@ -356,7 +357,7 @@
             <a:spLocks noGrp="1" noChangeArrowheads="1"/>
             <a:extLst>
               <a:ext uri="smNativeData">
-                <pr:smNativeData xmlns:pr="smNativeData" val="SMDATA_13_5iCqYxMAAAAlAAAAZAAAAA8BAAAAkAAAAEgAAACQAAAASAAAAAAAAAABAAAAAAAAAAEAAABQAAAAAAAAAAAA4D8AAAAAAADgPwAAAAAAAOA/AAAAAAAA4D8AAAAAAADgPwAAAAAAAOA/AAAAAAAA4D8AAAAAAADgPwAAAAAAAOA/AAAAAAAA4D8CAAAAjAAAAAAAAAAAAAAAu+DjDP///wgAAAAAAAAAAAAAAAAAAAAAAAAAAAAAAAAAAAAAZAAAAAEAAABAAAAAAAAAAAAAAAAAAAAAAAAAAAAAAAAAAAAAAAAAAAAAAAAAAAAAAAAAAAAAAAAAAAAAAAAAAAAAAAAAAAAAAAAAAAAAAAAAAAAAAAAAAAAAAAAAAAAAFAAAADwAAAAAAAAAAAAAAAAAAAkUAAAAAQAAABQAAAAUAAAAFAAAAAEAAAAAAAAAZAAAAGQAAAAAAAAAZAAAAGQAAAAVAAAAYAAAAAAAAAAAAAAADwAAACADAAAAAAAAAAAAAAEAAACgMgAAVgcAAKr4//8BAAAAf39/AAEAAABkAAAAAAAAABQAAABAHwAAAAAAACYAAAAAAAAAwOD//wAAAAAmAAAAZAAAABYAAABMAAAAAAAAAAAAAAAEAAAAAAAAAAEAAACAgIAKAAAAACgAAAAoAAAAZAAAAGQAAAAAAAAAzMzMAAAAAABQAAAAUAAAAGQAAABkAAAAAAAAABcAAAAUAAAAAAAAAAAAAAD/fwAA/38AAAAAAAAJAAAABAAAAElJSf8MAAAAEAAAAAAAAAAAAAAAAAAAAAAAAAAeAAAAaAAAAAAAAAAAAAAAAAAAAAAAAAAAAAAAECcAABAnAAAAAAAAAAAAAAAAAAAAAAAAAAAAAAAAAAAAAAAAAAAAABQAAAAAAAAAwMD/AAAAAABkAAAAMgAAAAAAAABkAAAAAAAAAH9/fwAKAAAAHwAAAFQAAAAAAAAFAAAAAQAAAAAAAAAAAAAAAAAAAAAAAAAAAAAAAAAAAAAAAAAAAAAAAn9/fwAAAAADzMzMAMDA/wB/f38AAAAAAAAAAAAAAAAAAAAAAAAAAAAhAAAAGAAAABQAAAA4EwAAGycAAAglAABZKQAAEAAAACYAAAAIAAAAAAAAAAAAAAA="/>
+                <pr:smNativeData xmlns:pr="smNativeData" val="SMDATA_13_cFGrYxMAAAAlAAAAZAAAAA8BAAAAkAAAAEgAAACQAAAASAAAAAAAAAABAAAAAAAAAAEAAABQAAAAAAAAAAAA4D8AAAAAAADgPwAAAAAAAOA/AAAAAAAA4D8AAAAAAADgPwAAAAAAAOA/AAAAAAAA4D8AAAAAAADgPwAAAAAAAOA/AAAAAAAA4D8CAAAAjAAAAAAAAAAAAAAAu+DjDP///wgAAAAAAAAAAAAAAAAAAAAAAAAAAAAAAAAAAAAAZAAAAAEAAABAAAAAAAAAAAAAAAAAAAAAAAAAAAAAAAAAAAAAAAAAAAAAAAAAAAAAAAAAAAAAAAAAAAAAAAAAAAAAAAAAAAAAAAAAAAAAAAAAAAAAAAAAAAAAAAAAAAAAFAAAADwAAAAAAAAAAAAAAAAAAAkUAAAAAQAAABQAAAAUAAAAFAAAAAEAAAAAAAAAZAAAAGQAAAAAAAAAZAAAAGQAAAAVAAAAYAAAAAAAAAAAAAAADwAAACADAAAAAAAAAAAAAAEAAACgMgAAVgcAAKr4//8BAAAAf39/AAEAAABkAAAAAAAAABQAAABAHwAAAAAAACYAAAAAAAAAwOD//wAAAAAmAAAAZAAAABYAAABMAAAAAAAAAAAAAAAEAAAAAAAAAAEAAACAgIAKAAAAACgAAAAoAAAAZAAAAGQAAAAAAAAAzMzMAAAAAABQAAAAUAAAAGQAAABkAAAAAAAAABcAAAAUAAAAAAAAAAAAAAD/fwAA/38AAAAAAAAJAAAABAAAAElJSf8MAAAAEAAAAAAAAAAAAAAAAAAAAAAAAAAeAAAAaAAAAAAAAAAAAAAAAAAAAAAAAAAAAAAAECcAABAnAAAAAAAAAAAAAAAAAAAAAAAAAAAAAAAAAAAAAAAAAAAAABQAAAAAAAAAwMD/AAAAAABkAAAAMgAAAAAAAABkAAAAAAAAAH9/fwAKAAAAHwAAAFQAAAAAAAAFAAAAAQAAAAAAAAAAAAAAAAAAAAAAAAAAAAAAAAAAAAAAAAAAAAAAAn9/fwAAAAADzMzMAMDA/wB/f38AAAAAAAAAAAAAAAAAAAAAAAAAAAAhAAAAGAAAABQAAAA4EwAAGycAAAglAABZKQAAEAAAACYAAAAIAAAAAAAAAAAAAAA="/>
               </a:ext>
             </a:extLst>
           </p:cNvSpPr>
@@ -380,7 +381,7 @@
             <a:spLocks noGrp="1" noChangeArrowheads="1"/>
             <a:extLst>
               <a:ext uri="smNativeData">
-                <pr:smNativeData xmlns:pr="smNativeData" val="SMDATA_13_5iCqYxMAAAAlAAAAZAAAAA8BAAAAkAAAAEgAAACQAAAASAAAAAAAAAABAAAAAAAAAAEAAABQAAAAAAAAAAAA4D8AAAAAAADgPwAAAAAAAOA/AAAAAAAA4D8AAAAAAADgPwAAAAAAAOA/AAAAAAAA4D8AAAAAAADgPwAAAAAAAOA/AAAAAAAA4D8CAAAAjAAAAAAAAAAAAAAAu+DjDP///wgAAAAAAAAAAAAAAAAAAAAAAAAAAAAAAAAAAAAAZAAAAAEAAABAAAAAAAAAAAAAAAAAAAAAAAAAAAAAAAAAAAAAAAAAAAAAAAAAAAAAAAAAAAAAAAAAAAAAAAAAAAAAAAAAAAAAAAAAAAAAAAAAAAAAAAAAAAAAAAAAAAAAFAAAADwAAAAAAAAAAAAAAAAAAAkUAAAAAQAAABQAAAAUAAAAFAAAAAEAAAAAAAAAZAAAAGQAAAAAAAAAZAAAAGQAAAAVAAAAYAAAAAAAAAAAAAAADwAAACADAAAAAAAAAAAAAAEAAACgMgAAVgcAAKr4//8BAAAAf39/AAEAAABkAAAAAAAAABQAAABAHwAAAAAAACYAAAAAAAAAwOD//wAAAAAmAAAAZAAAABYAAABMAAAAAAAAAAAAAAAEAAAAAAAAAAEAAACAgIAKAAAAACgAAAAoAAAAZAAAAGQAAAAAAAAAzMzMAAAAAABQAAAAUAAAAGQAAABkAAAAAAAAABcAAAAUAAAAAAAAAAAAAAD/fwAA/38AAAAAAAAJAAAABAAAAAAAAAAMAAAAEAAAAAAAAAAAAAAAAAAAAAAAAAAeAAAAaAAAAAAAAAAAAAAAAAAAAAAAAAAAAAAAECcAABAnAAAAAAAAAAAAAAAAAAAAAAAAAAAAAAAAAAAAAAAAAAAAABQAAAAAAAAAwMD/AAAAAABkAAAAMgAAAAAAAABkAAAAAAAAAH9/fwAKAAAAHwAAAFQAAAAAAAAFAAAAAQAAAAAAAAAAAAAAAAAAAAAAAAAAAAAAAAAAAAAAAAAAAAAAAn9/fwAAAAADzMzMAMDA/wB/f38AAAAAAAAAAAAAAAAAAAAAAAAAAAAhAAAAGAAAABQAAABQKAAAGycAAHA1AABZKQAAEAAAACYAAAAIAAAAAAAAAAAAAAA="/>
+                <pr:smNativeData xmlns:pr="smNativeData" val="SMDATA_13_cFGrYxMAAAAlAAAAZAAAAA8BAAAAkAAAAEgAAACQAAAASAAAAAAAAAABAAAAAAAAAAEAAABQAAAAAAAAAAAA4D8AAAAAAADgPwAAAAAAAOA/AAAAAAAA4D8AAAAAAADgPwAAAAAAAOA/AAAAAAAA4D8AAAAAAADgPwAAAAAAAOA/AAAAAAAA4D8CAAAAjAAAAAAAAAAAAAAAu+DjDP///wgAAAAAAAAAAAAAAAAAAAAAAAAAAAAAAAAAAAAAZAAAAAEAAABAAAAAAAAAAAAAAAAAAAAAAAAAAAAAAAAAAAAAAAAAAAAAAAAAAAAAAAAAAAAAAAAAAAAAAAAAAAAAAAAAAAAAAAAAAAAAAAAAAAAAAAAAAAAAAAAAAAAAFAAAADwAAAAAAAAAAAAAAAAAAAkUAAAAAQAAABQAAAAUAAAAFAAAAAEAAAAAAAAAZAAAAGQAAAAAAAAAZAAAAGQAAAAVAAAAYAAAAAAAAAAAAAAADwAAACADAAAAAAAAAAAAAAEAAACgMgAAVgcAAKr4//8BAAAAf39/AAEAAABkAAAAAAAAABQAAABAHwAAAAAAACYAAAAAAAAAwOD//wAAAAAmAAAAZAAAABYAAABMAAAAAAAAAAAAAAAEAAAAAAAAAAEAAACAgIAKAAAAACgAAAAoAAAAZAAAAGQAAAAAAAAAzMzMAAAAAABQAAAAUAAAAGQAAABkAAAAAAAAABcAAAAUAAAAAAAAAAAAAAD/fwAA/38AAAAAAAAJAAAABAAAAAAAAAAMAAAAEAAAAAAAAAAAAAAAAAAAAAAAAAAeAAAAaAAAAAAAAAAAAAAAAAAAAAAAAAAAAAAAECcAABAnAAAAAAAAAAAAAAAAAAAAAAAAAAAAAAAAAAAAAAAAAAAAABQAAAAAAAAAwMD/AAAAAABkAAAAMgAAAAAAAABkAAAAAAAAAH9/fwAKAAAAHwAAAFQAAAAAAAAFAAAAAQAAAAAAAAAAAAAAAAAAAAAAAAAAAAAAAAAAAAAAAAAAAAAAAn9/fwAAAAADzMzMAMDA/wB/f38AAAAAAAAAAAAAAAAAAAAAAAAAAAAhAAAAGAAAABQAAABQKAAAGycAAHA1AABZKQAAEAAAACYAAAAIAAAAAAAAAAAAAAA="/>
               </a:ext>
             </a:extLst>
           </p:cNvSpPr>
@@ -394,7 +395,7 @@
           <a:lstStyle/>
           <a:p>
             <a:pPr/>
-            <a:fld id="{2683CA62-2CCB-D63C-853B-DA698475738F}" type="slidenum">
+            <a:fld id="{21E79BE0-AECC-B26D-825F-5838D511740D}" type="slidenum">
               <a:t/>
             </a:fld>
           </a:p>
@@ -432,7 +433,7 @@
             <a:spLocks noGrp="1" noChangeArrowheads="1"/>
             <a:extLst>
               <a:ext uri="smNativeData">
-                <pr:smNativeData xmlns:pr="smNativeData" val="SMDATA_13_5iCqYxMAAAAlAAAAZAAAAA8BAAAAkAAAAEgAAACQAAAASAAAAAAAAAABAAAAAAAAAAEAAABQAAAAAAAAAAAA4D8AAAAAAADgPwAAAAAAAOA/AAAAAAAA4D8AAAAAAADgPwAAAAAAAOA/AAAAAAAA4D8AAAAAAADgPwAAAAAAAOA/AAAAAAAA4D8CAAAAjAAAAAAAAAAAAAAAu+DjDP///wgAAAAAAAAAAAAAAAAAAAAAAAAAAAAAAAAAAAAAZAAAAAEAAABAAAAAAAAAAAAAAAAAAAAAAAAAAAAAAAAAAAAAAAAAAAAAAAAAAAAAAAAAAAAAAAAAAAAAAAAAAAAAAAAAAAAAAAAAAAAAAAAAAAAAAAAAAAAAAAAAAAAAFAAAADwAAAAAAAAAAAAAAAAAAAkUAAAAAQAAABQAAAAUAAAAFAAAAAEAAAAAAAAAZAAAAGQAAAAAAAAAZAAAAGQAAAAVAAAAYAAAAAAAAAAAAAAADwAAACADAAAAAAAAAAAAAAEAAACgMgAAVgcAAKr4//8BAAAAf39/AAEAAABkAAAAAAAAABQAAABAHwAAAAAAACYAAAAAAAAAwOD//wAAAAAmAAAAZAAAABYAAABMAAAAAAAAAAAAAAAEAAAAAAAAAAEAAACAgIAKAAAAACgAAAAoAAAAZAAAAGQAAAAAAAAAzMzMAAAAAABQAAAAUAAAAGQAAABkAAAAAAAAABcAAAAUAAAAAAAAAAAAAAD/fwAA/38AAAAAAAAJAAAABAAAAAAAAAAMAAAAEAAAAAAAAAAAAAAAAAAAAAAAAAAeAAAAaAAAAAAAAAAAAAAAAAAAAAAAAAAAAAAAECcAABAnAAAAAAAAAAAAAAAAAAAAAAAAAAAAAAAAAAAAAAAAAAAAABQAAAAAAAAAwMD/AAAAAABkAAAAMgAAAAAAAABkAAAAAAAAAH9/fwAKAAAAHwAAAFQAAAAAAAAFAAAAAQAAAAAAAAAAAAAAAAAAAAAAAAAAAAAAAAAAAAAAAAAAAAAAAn9/fwAAAAADzMzMAMDA/wB/f38AAAAAAAAAAAAAAAAAAAAAAAAAAAAhAAAAGAAAABQAAADQAgAAsAEAAHA1AAC4CAAAEAAAACYAAAAIAAAAAAAAAAAAAAA="/>
+                <pr:smNativeData xmlns:pr="smNativeData" val="SMDATA_13_cFGrYxMAAAAlAAAAZAAAAA8BAAAAkAAAAEgAAACQAAAASAAAAAAAAAABAAAAAAAAAAEAAABQAAAAAAAAAAAA4D8AAAAAAADgPwAAAAAAAOA/AAAAAAAA4D8AAAAAAADgPwAAAAAAAOA/AAAAAAAA4D8AAAAAAADgPwAAAAAAAOA/AAAAAAAA4D8CAAAAjAAAAAAAAAAAAAAAu+DjDP///wgAAAAAAAAAAAAAAAAAAAAAAAAAAAAAAAAAAAAAZAAAAAEAAABAAAAAAAAAAAAAAAAAAAAAAAAAAAAAAAAAAAAAAAAAAAAAAAAAAAAAAAAAAAAAAAAAAAAAAAAAAAAAAAAAAAAAAAAAAAAAAAAAAAAAAAAAAAAAAAAAAAAAFAAAADwAAAAAAAAAAAAAAAAAAAkUAAAAAQAAABQAAAAUAAAAFAAAAAEAAAAAAAAAZAAAAGQAAAAAAAAAZAAAAGQAAAAVAAAAYAAAAAAAAAAAAAAADwAAACADAAAAAAAAAAAAAAEAAACgMgAAVgcAAKr4//8BAAAAf39/AAEAAABkAAAAAAAAABQAAABAHwAAAAAAACYAAAAAAAAAwOD//wAAAAAmAAAAZAAAABYAAABMAAAAAAAAAAAAAAAEAAAAAAAAAAEAAACAgIAKAAAAACgAAAAoAAAAZAAAAGQAAAAAAAAAzMzMAAAAAABQAAAAUAAAAGQAAABkAAAAAAAAABcAAAAUAAAAAAAAAAAAAAD/fwAA/38AAAAAAAAJAAAABAAAAAAAAAAMAAAAEAAAAAAAAAAAAAAAAAAAAAAAAAAeAAAAaAAAAAAAAAAAAAAAAAAAAAAAAAAAAAAAECcAABAnAAAAAAAAAAAAAAAAAAAAAAAAAAAAAAAAAAAAAAAAAAAAABQAAAAAAAAAwMD/AAAAAABkAAAAMgAAAAAAAABkAAAAAAAAAH9/fwAKAAAAHwAAAFQAAAAAAAAFAAAAAQAAAAAAAAAAAAAAAAAAAAAAAAAAAAAAAAAAAAAAAAAAAAAAAn9/fwAAAAADzMzMAMDA/wB/f38AAAAAAAAAAAAAAAAAAAAAAAAAAAAhAAAAGAAAABQAAADQAgAAsAEAAHA1AAC4CAAAEAAAACYAAAAIAAAAAAAAAAAAAAA="/>
               </a:ext>
             </a:extLst>
           </p:cNvSpPr>
@@ -459,7 +460,7 @@
             <a:spLocks noGrp="1" noChangeArrowheads="1"/>
             <a:extLst>
               <a:ext uri="smNativeData">
-                <pr:smNativeData xmlns:pr="smNativeData" val="SMDATA_13_5iCqYxMAAAAlAAAAZAAAAA8BAAAAkAAAAEgAAACQAAAASAAAAAAAAAAAAAAAAQAAAAEAAABQAAAAAAAAAAAA4D8AAAAAAADgPwAAAAAAAOA/AAAAAAAA4D8AAAAAAADgPwAAAAAAAOA/AAAAAAAA4D8AAAAAAADgPwAAAAAAAOA/AAAAAAAA4D8CAAAAjAAAAAAAAAAAAAAAu+DjDP///wgAAAAAAAAAAAAAAAAAAAAAAAAAAAAAAAAAAAAAZAAAAAEAAABAAAAAAAAAAAAAAAAAAAAAAAAAAAAAAAAAAAAAAAAAAAAAAAAAAAAAAAAAAAAAAAAAAAAAAAAAAAAAAAAAAAAAAAAAAAAAAAAAAAAAAAAAAAAAAAAAAAAAFAAAADwAAAAAAAAAAAAAAAAAAAkUAAAAAQAAABQAAAAUAAAAFAAAAAEAAAAAAAAAZAAAAGQAAAAAAAAAZAAAAGQAAAAVAAAAYAAAAAAAAAAAAAAADwAAACADAAAAAAAAAAAAAAEAAACgMgAAVgcAAKr4//8BAAAAf39/AAEAAABkAAAAAAAAABQAAABAHwAAAAAAACYAAAAAAAAAwOD//wAAAAAmAAAAZAAAABYAAABMAAAAAAAAAAAAAAAEAAAAAAAAAAEAAACAgIAKAAAAACgAAAAoAAAAZAAAAGQAAAAAAAAAzMzMAAAAAABQAAAAUAAAAGQAAABkAAAAAAAAABcAAAAUAAAAAAAAAAAAAAD/fwAA/38AAAAAAAAJAAAABAAAAAAAAAAMAAAAEAAAAAAAAAAAAAAAAAAAAAAAAAAeAAAAaAAAAAAAAAAAAAAAAAAAAAAAAAAAAAAAECcAABAnAAAAAAAAAAAAAAAAAAAAAAAAAAAAAAAAAAAAAAAAAAAAABQAAAAAAAAAwMD/AAAAAABkAAAAMgAAAAAAAABkAAAAAAAAAH9/fwAKAAAAHwAAAFQAAAAAAAAFAAAAAQAAAAAAAAAAAAAAAAAAAAAAAAAAAAAAAAAAAAAAAAAAAAAAAn9/fwAAAAADzMzMAMDA/wB/f38AAAAAAAAAAAAAAAAAAAAAAAAAAAAhAAAAGAAAABQAAADQAgAA2AkAAHA1AACwJQAAEAAAACYAAAAIAAAAAgAAAAAAAAA="/>
+                <pr:smNativeData xmlns:pr="smNativeData" val="SMDATA_13_cFGrYxMAAAAlAAAAZAAAAA8BAAAAkAAAAEgAAACQAAAASAAAAAAAAAAAAAAAAQAAAAEAAABQAAAAAAAAAAAA4D8AAAAAAADgPwAAAAAAAOA/AAAAAAAA4D8AAAAAAADgPwAAAAAAAOA/AAAAAAAA4D8AAAAAAADgPwAAAAAAAOA/AAAAAAAA4D8CAAAAjAAAAAAAAAAAAAAAu+DjDP///wgAAAAAAAAAAAAAAAAAAAAAAAAAAAAAAAAAAAAAZAAAAAEAAABAAAAAAAAAAAAAAAAAAAAAAAAAAAAAAAAAAAAAAAAAAAAAAAAAAAAAAAAAAAAAAAAAAAAAAAAAAAAAAAAAAAAAAAAAAAAAAAAAAAAAAAAAAAAAAAAAAAAAFAAAADwAAAAAAAAAAAAAAAAAAAkUAAAAAQAAABQAAAAUAAAAFAAAAAEAAAAAAAAAZAAAAGQAAAAAAAAAZAAAAGQAAAAVAAAAYAAAAAAAAAAAAAAADwAAACADAAAAAAAAAAAAAAEAAACgMgAAVgcAAKr4//8BAAAAf39/AAEAAABkAAAAAAAAABQAAABAHwAAAAAAACYAAAAAAAAAwOD//wAAAAAmAAAAZAAAABYAAABMAAAAAAAAAAAAAAAEAAAAAAAAAAEAAACAgIAKAAAAACgAAAAoAAAAZAAAAGQAAAAAAAAAzMzMAAAAAABQAAAAUAAAAGQAAABkAAAAAAAAABcAAAAUAAAAAAAAAAAAAAD/fwAA/38AAAAAAAAJAAAABAAAAAAAAAAMAAAAEAAAAAAAAAAAAAAAAAAAAAAAAAAeAAAAaAAAAAAAAAAAAAAAAAAAAAAAAAAAAAAAECcAABAnAAAAAAAAAAAAAAAAAAAAAAAAAAAAAAAAAAAAAAAAAAAAABQAAAAAAAAAwMD/AAAAAABkAAAAMgAAAAAAAABkAAAAAAAAAH9/fwAKAAAAHwAAAFQAAAAAAAAFAAAAAQAAAAAAAAAAAAAAAAAAAAAAAAAAAAAAAAAAAAAAAAAAAAAAAn9/fwAAAAADzMzMAMDA/wB/f38AAAAAAAAAAAAAAAAAAAAAAAAAAAAhAAAAGAAAABQAAADQAgAA2AkAAHA1AACwJQAAEAAAACYAAAAIAAAAAgAAAAAAAAA="/>
               </a:ext>
             </a:extLst>
           </p:cNvSpPr>
@@ -514,7 +515,7 @@
             <a:spLocks noGrp="1" noChangeArrowheads="1"/>
             <a:extLst>
               <a:ext uri="smNativeData">
-                <pr:smNativeData xmlns:pr="smNativeData" val="SMDATA_13_5iCqYxMAAAAlAAAAZAAAAA8BAAAAkAAAAEgAAACQAAAASAAAAAAAAAABAAAAAAAAAAEAAABQAAAAAAAAAAAA4D8AAAAAAADgPwAAAAAAAOA/AAAAAAAA4D8AAAAAAADgPwAAAAAAAOA/AAAAAAAA4D8AAAAAAADgPwAAAAAAAOA/AAAAAAAA4D8CAAAAjAAAAAAAAAAAAAAAu+DjDP///wgAAAAAAAAAAAAAAAAAAAAAAAAAAAAAAAAAAAAAZAAAAAEAAABAAAAAAAAAAAAAAAAAAAAAAAAAAAAAAAAAAAAAAAAAAAAAAAAAAAAAAAAAAAAAAAAAAAAAAAAAAAAAAAAAAAAAAAAAAAAAAAAAAAAAAAAAAAAAAAAAAAAAFAAAADwAAAAAAAAAAAAAAAAAAAkUAAAAAQAAABQAAAAUAAAAFAAAAAEAAAAAAAAAZAAAAGQAAAAAAAAAZAAAAGQAAAAVAAAAYAAAAAAAAAAAAAAADwAAACADAAAAAAAAAAAAAAEAAACgMgAAVgcAAKr4//8BAAAAf39/AAEAAABkAAAAAAAAABQAAABAHwAAAAAAACYAAAAAAAAAwOD//wAAAAAmAAAAZAAAABYAAABMAAAAAAAAAAAAAAAEAAAAAAAAAAEAAACAgIAKAAAAACgAAAAoAAAAZAAAAGQAAAAAAAAAzMzMAAAAAABQAAAAUAAAAGQAAABkAAAAAAAAABcAAAAUAAAAAAAAAAAAAAD/fwAA/38AAAAAAAAJAAAABAAAAAAAAAAMAAAAEAAAAAAAAAAAAAAAAAAAAAAAAAAeAAAAaAAAAAAAAAAAAAAAAAAAAAAAAAAAAAAAECcAABAnAAAAAAAAAAAAAAAAAAAAAAAAAAAAAAAAAAAAAAAAAAAAABQAAAAAAAAAwMD/AAAAAABkAAAAMgAAAAAAAABkAAAAAAAAAH9/fwAKAAAAHwAAAFQAAAAAAAAFAAAAAQAAAAAAAAAAAAAAAAAAAAAAAAAAAAAAAAAAAAAAAAAAAAAAAn9/fwAAAAADzMzMAMDA/wB/f38AAAAAAAAAAAAAAAAAAAAAAAAAAAAhAAAAGAAAABQAAADQAgAAGycAAPAPAABZKQAAEAAAACYAAAAIAAAAAAAAAAAAAAA="/>
+                <pr:smNativeData xmlns:pr="smNativeData" val="SMDATA_13_cFGrYxMAAAAlAAAAZAAAAA8BAAAAkAAAAEgAAACQAAAASAAAAAAAAAABAAAAAAAAAAEAAABQAAAAAAAAAAAA4D8AAAAAAADgPwAAAAAAAOA/AAAAAAAA4D8AAAAAAADgPwAAAAAAAOA/AAAAAAAA4D8AAAAAAADgPwAAAAAAAOA/AAAAAAAA4D8CAAAAjAAAAAAAAAAAAAAAu+DjDP///wgAAAAAAAAAAAAAAAAAAAAAAAAAAAAAAAAAAAAAZAAAAAEAAABAAAAAAAAAAAAAAAAAAAAAAAAAAAAAAAAAAAAAAAAAAAAAAAAAAAAAAAAAAAAAAAAAAAAAAAAAAAAAAAAAAAAAAAAAAAAAAAAAAAAAAAAAAAAAAAAAAAAAFAAAADwAAAAAAAAAAAAAAAAAAAkUAAAAAQAAABQAAAAUAAAAFAAAAAEAAAAAAAAAZAAAAGQAAAAAAAAAZAAAAGQAAAAVAAAAYAAAAAAAAAAAAAAADwAAACADAAAAAAAAAAAAAAEAAACgMgAAVgcAAKr4//8BAAAAf39/AAEAAABkAAAAAAAAABQAAABAHwAAAAAAACYAAAAAAAAAwOD//wAAAAAmAAAAZAAAABYAAABMAAAAAAAAAAAAAAAEAAAAAAAAAAEAAACAgIAKAAAAACgAAAAoAAAAZAAAAGQAAAAAAAAAzMzMAAAAAABQAAAAUAAAAGQAAABkAAAAAAAAABcAAAAUAAAAAAAAAAAAAAD/fwAA/38AAAAAAAAJAAAABAAAAAAAAAAMAAAAEAAAAAAAAAAAAAAAAAAAAAAAAAAeAAAAaAAAAAAAAAAAAAAAAAAAAAAAAAAAAAAAECcAABAnAAAAAAAAAAAAAAAAAAAAAAAAAAAAAAAAAAAAAAAAAAAAABQAAAAAAAAAwMD/AAAAAABkAAAAMgAAAAAAAABkAAAAAAAAAH9/fwAKAAAAHwAAAFQAAAAAAAAFAAAAAQAAAAAAAAAAAAAAAAAAAAAAAAAAAAAAAAAAAAAAAAAAAAAAAn9/fwAAAAADzMzMAMDA/wB/f38AAAAAAAAAAAAAAAAAAAAAAAAAAAAhAAAAGAAAABQAAADQAgAAGycAAPAPAABZKQAAEAAAACYAAAAIAAAAAAAAAAAAAAA="/>
               </a:ext>
             </a:extLst>
           </p:cNvSpPr>
@@ -528,7 +529,7 @@
           <a:lstStyle/>
           <a:p>
             <a:pPr/>
-            <a:fld id="{2683B493-DDCB-D642-853B-2B17FA75737E}" type="datetime1">
+            <a:fld id="{21E7C78D-C3CC-B231-825F-356489117460}" type="datetime1">
               <a:t/>
             </a:fld>
           </a:p>
@@ -541,7 +542,7 @@
             <a:spLocks noGrp="1" noChangeArrowheads="1"/>
             <a:extLst>
               <a:ext uri="smNativeData">
-                <pr:smNativeData xmlns:pr="smNativeData" val="SMDATA_13_5iCqYxMAAAAlAAAAZAAAAA8BAAAAkAAAAEgAAACQAAAASAAAAAAAAAABAAAAAAAAAAEAAABQAAAAAAAAAAAA4D8AAAAAAADgPwAAAAAAAOA/AAAAAAAA4D8AAAAAAADgPwAAAAAAAOA/AAAAAAAA4D8AAAAAAADgPwAAAAAAAOA/AAAAAAAA4D8CAAAAjAAAAAAAAAAAAAAAu+DjDP///wgAAAAAAAAAAAAAAAAAAAAAAAAAAAAAAAAAAAAAZAAAAAEAAABAAAAAAAAAAAAAAAAAAAAAAAAAAAAAAAAAAAAAAAAAAAAAAAAAAAAAAAAAAAAAAAAAAAAAAAAAAAAAAAAAAAAAAAAAAAAAAAAAAAAAAAAAAAAAAAAAAAAAFAAAADwAAAAAAAAAAAAAAAAAAAkUAAAAAQAAABQAAAAUAAAAFAAAAAEAAAAAAAAAZAAAAGQAAAAAAAAAZAAAAGQAAAAVAAAAYAAAAAAAAAAAAAAADwAAACADAAAAAAAAAAAAAAEAAACgMgAAVgcAAKr4//8BAAAAf39/AAEAAABkAAAAAAAAABQAAABAHwAAAAAAACYAAAAAAAAAwOD//wAAAAAmAAAAZAAAABYAAABMAAAAAAAAAAAAAAAEAAAAAAAAAAEAAACAgIAKAAAAACgAAAAoAAAAZAAAAGQAAAAAAAAAzMzMAAAAAABQAAAAUAAAAGQAAABkAAAAAAAAABcAAAAUAAAAAAAAAAAAAAD/fwAA/38AAAAAAAAJAAAABAAAAAAAAAAMAAAAEAAAAAAAAAAAAAAAAAAAAAAAAAAeAAAAaAAAAAAAAAAAAAAAAAAAAAAAAAAAAAAAECcAABAnAAAAAAAAAAAAAAAAAAAAAAAAAAAAAAAAAAAAAAAAAAAAABQAAAAAAAAAwMD/AAAAAABkAAAAMgAAAAAAAABkAAAAAAAAAH9/fwAKAAAAHwAAAFQAAAAAAAAFAAAAAQAAAAAAAAAAAAAAAAAAAAAAAAAAAAAAAAAAAAAAAAAAAAAAAn9/fwAAAAADzMzMAMDA/wB/f38AAAAAAAAAAAAAAAAAAAAAAAAAAAAhAAAAGAAAABQAAAA4EwAAGycAAAglAABZKQAAEAAAACYAAAAIAAAAAAAAAAAAAAA="/>
+                <pr:smNativeData xmlns:pr="smNativeData" val="SMDATA_13_cFGrYxMAAAAlAAAAZAAAAA8BAAAAkAAAAEgAAACQAAAASAAAAAAAAAABAAAAAAAAAAEAAABQAAAAAAAAAAAA4D8AAAAAAADgPwAAAAAAAOA/AAAAAAAA4D8AAAAAAADgPwAAAAAAAOA/AAAAAAAA4D8AAAAAAADgPwAAAAAAAOA/AAAAAAAA4D8CAAAAjAAAAAAAAAAAAAAAu+DjDP///wgAAAAAAAAAAAAAAAAAAAAAAAAAAAAAAAAAAAAAZAAAAAEAAABAAAAAAAAAAAAAAAAAAAAAAAAAAAAAAAAAAAAAAAAAAAAAAAAAAAAAAAAAAAAAAAAAAAAAAAAAAAAAAAAAAAAAAAAAAAAAAAAAAAAAAAAAAAAAAAAAAAAAFAAAADwAAAAAAAAAAAAAAAAAAAkUAAAAAQAAABQAAAAUAAAAFAAAAAEAAAAAAAAAZAAAAGQAAAAAAAAAZAAAAGQAAAAVAAAAYAAAAAAAAAAAAAAADwAAACADAAAAAAAAAAAAAAEAAACgMgAAVgcAAKr4//8BAAAAf39/AAEAAABkAAAAAAAAABQAAABAHwAAAAAAACYAAAAAAAAAwOD//wAAAAAmAAAAZAAAABYAAABMAAAAAAAAAAAAAAAEAAAAAAAAAAEAAACAgIAKAAAAACgAAAAoAAAAZAAAAGQAAAAAAAAAzMzMAAAAAABQAAAAUAAAAGQAAABkAAAAAAAAABcAAAAUAAAAAAAAAAAAAAD/fwAA/38AAAAAAAAJAAAABAAAAAAAAAAMAAAAEAAAAAAAAAAAAAAAAAAAAAAAAAAeAAAAaAAAAAAAAAAAAAAAAAAAAAAAAAAAAAAAECcAABAnAAAAAAAAAAAAAAAAAAAAAAAAAAAAAAAAAAAAAAAAAAAAABQAAAAAAAAAwMD/AAAAAABkAAAAMgAAAAAAAABkAAAAAAAAAH9/fwAKAAAAHwAAAFQAAAAAAAAFAAAAAQAAAAAAAAAAAAAAAAAAAAAAAAAAAAAAAAAAAAAAAAAAAAAAAn9/fwAAAAADzMzMAMDA/wB/f38AAAAAAAAAAAAAAAAAAAAAAAAAAAAhAAAAGAAAABQAAAA4EwAAGycAAAglAABZKQAAEAAAACYAAAAIAAAAAAAAAAAAAAA="/>
               </a:ext>
             </a:extLst>
           </p:cNvSpPr>
@@ -565,7 +566,7 @@
             <a:spLocks noGrp="1" noChangeArrowheads="1"/>
             <a:extLst>
               <a:ext uri="smNativeData">
-                <pr:smNativeData xmlns:pr="smNativeData" val="SMDATA_13_5iCqYxMAAAAlAAAAZAAAAA8BAAAAkAAAAEgAAACQAAAASAAAAAAAAAABAAAAAAAAAAEAAABQAAAAAAAAAAAA4D8AAAAAAADgPwAAAAAAAOA/AAAAAAAA4D8AAAAAAADgPwAAAAAAAOA/AAAAAAAA4D8AAAAAAADgPwAAAAAAAOA/AAAAAAAA4D8CAAAAjAAAAAAAAAAAAAAAu+DjDP///wgAAAAAAAAAAAAAAAAAAAAAAAAAAAAAAAAAAAAAZAAAAAEAAABAAAAAAAAAAAAAAAAAAAAAAAAAAAAAAAAAAAAAAAAAAAAAAAAAAAAAAAAAAAAAAAAAAAAAAAAAAAAAAAAAAAAAAAAAAAAAAAAAAAAAAAAAAAAAAAAAAAAAFAAAADwAAAAAAAAAAAAAAAAAAAkUAAAAAQAAABQAAAAUAAAAFAAAAAEAAAAAAAAAZAAAAGQAAAAAAAAAZAAAAGQAAAAVAAAAYAAAAAAAAAAAAAAADwAAACADAAAAAAAAAAAAAAEAAACgMgAAVgcAAKr4//8BAAAAf39/AAEAAABkAAAAAAAAABQAAABAHwAAAAAAACYAAAAAAAAAwOD//wAAAAAmAAAAZAAAABYAAABMAAAAAAAAAAAAAAAEAAAAAAAAAAEAAACAgIAKAAAAACgAAAAoAAAAZAAAAGQAAAAAAAAAzMzMAAAAAABQAAAAUAAAAGQAAABkAAAAAAAAABcAAAAUAAAAAAAAAAAAAAD/fwAA/38AAAAAAAAJAAAABAAAAAAAAAAMAAAAEAAAAAAAAAAAAAAAAAAAAAAAAAAeAAAAaAAAAAAAAAAAAAAAAAAAAAAAAAAAAAAAECcAABAnAAAAAAAAAAAAAAAAAAAAAAAAAAAAAAAAAAAAAAAAAAAAABQAAAAAAAAAwMD/AAAAAABkAAAAMgAAAAAAAABkAAAAAAAAAH9/fwAKAAAAHwAAAFQAAAAAAAAFAAAAAQAAAAAAAAAAAAAAAAAAAAAAAAAAAAAAAAAAAAAAAAAAAAAAAn9/fwAAAAADzMzMAMDA/wB/f38AAAAAAAAAAAAAAAAAAAAAAAAAAAAhAAAAGAAAABQAAABQKAAAGycAAHA1AABZKQAAEAAAACYAAAAIAAAAAAAAAAAAAAA="/>
+                <pr:smNativeData xmlns:pr="smNativeData" val="SMDATA_13_cFGrYxMAAAAlAAAAZAAAAA8BAAAAkAAAAEgAAACQAAAASAAAAAAAAAABAAAAAAAAAAEAAABQAAAAAAAAAAAA4D8AAAAAAADgPwAAAAAAAOA/AAAAAAAA4D8AAAAAAADgPwAAAAAAAOA/AAAAAAAA4D8AAAAAAADgPwAAAAAAAOA/AAAAAAAA4D8CAAAAjAAAAAAAAAAAAAAAu+DjDP///wgAAAAAAAAAAAAAAAAAAAAAAAAAAAAAAAAAAAAAZAAAAAEAAABAAAAAAAAAAAAAAAAAAAAAAAAAAAAAAAAAAAAAAAAAAAAAAAAAAAAAAAAAAAAAAAAAAAAAAAAAAAAAAAAAAAAAAAAAAAAAAAAAAAAAAAAAAAAAAAAAAAAAFAAAADwAAAAAAAAAAAAAAAAAAAkUAAAAAQAAABQAAAAUAAAAFAAAAAEAAAAAAAAAZAAAAGQAAAAAAAAAZAAAAGQAAAAVAAAAYAAAAAAAAAAAAAAADwAAACADAAAAAAAAAAAAAAEAAACgMgAAVgcAAKr4//8BAAAAf39/AAEAAABkAAAAAAAAABQAAABAHwAAAAAAACYAAAAAAAAAwOD//wAAAAAmAAAAZAAAABYAAABMAAAAAAAAAAAAAAAEAAAAAAAAAAEAAACAgIAKAAAAACgAAAAoAAAAZAAAAGQAAAAAAAAAzMzMAAAAAABQAAAAUAAAAGQAAABkAAAAAAAAABcAAAAUAAAAAAAAAAAAAAD/fwAA/38AAAAAAAAJAAAABAAAAAAAAAAMAAAAEAAAAAAAAAAAAAAAAAAAAAAAAAAeAAAAaAAAAAAAAAAAAAAAAAAAAAAAAAAAAAAAECcAABAnAAAAAAAAAAAAAAAAAAAAAAAAAAAAAAAAAAAAAAAAAAAAABQAAAAAAAAAwMD/AAAAAABkAAAAMgAAAAAAAABkAAAAAAAAAH9/fwAKAAAAHwAAAFQAAAAAAAAFAAAAAQAAAAAAAAAAAAAAAAAAAAAAAAAAAAAAAAAAAAAAAAAAAAAAAn9/fwAAAAADzMzMAMDA/wB/f38AAAAAAAAAAAAAAAAAAAAAAAAAAAAhAAAAGAAAABQAAABQKAAAGycAAHA1AABZKQAAEAAAACYAAAAIAAAAAAAAAAAAAAA="/>
               </a:ext>
             </a:extLst>
           </p:cNvSpPr>
@@ -579,7 +580,7 @@
           <a:lstStyle/>
           <a:p>
             <a:pPr/>
-            <a:fld id="{2683FAB0-FECB-D60C-853B-0859B475735D}" type="slidenum">
+            <a:fld id="{21E7EF6B-25CC-B219-825F-D34CA1117486}" type="slidenum">
               <a:t/>
             </a:fld>
           </a:p>
@@ -617,7 +618,7 @@
             <a:spLocks noGrp="1" noChangeArrowheads="1"/>
             <a:extLst>
               <a:ext uri="smNativeData">
-                <pr:smNativeData xmlns:pr="smNativeData" val="SMDATA_13_5iCqYxMAAAAlAAAAZAAAAA8BAAAAkAAAAEgAAACQAAAASAAAAAAAAAACAAAAAQAAAAEAAABQAAAAAAAAAAAA4D8AAAAAAADgPwAAAAAAAOA/AAAAAAAA4D8AAAAAAADgPwAAAAAAAOA/AAAAAAAA4D8AAAAAAADgPwAAAAAAAOA/AAAAAAAA4D8CAAAAjAAAAAAAAAAAAAAAu+DjDP///wgAAAAAAAAAAAAAAAAAAAAAAAAAAAAAAAAAAAAAZAAAAAEAAABAAAAAAAAAAAAAAAAAAAAAAAAAAAAAAAAAAAAAAAAAAAAAAAAAAAAAAAAAAAAAAAAAAAAAAAAAAAAAAAAAAAAAAAAAAAAAAAAAAAAAAAAAAAAAAAAAAAAAFAAAADwAAAAAAAAAAAAAAAAAAAkUAAAAAQAAABQAAAAUAAAAFAAAAAEAAAAAAAAAZAAAAGQAAAAAAAAAZAAAAGQAAAAVAAAAYAAAAAAAAAAAAAAADwAAACADAAAAAAAAAAAAAAEAAACgMgAAVgcAAKr4//8BAAAAf39/AAEAAABkAAAAAAAAABQAAABAHwAAAAAAACYAAAAAAAAAwOD//wAAAAAmAAAAZAAAABYAAABMAAAAAAAAAAAAAAAEAAAAAAAAAAEAAACAgIAKAAAAACgAAAAoAAAAZAAAAGQAAAAAAAAAzMzMAAAAAABQAAAAUAAAAGQAAABkAAAAAAAAABcAAAAUAAAAAAAAAAAAAAD/fwAA/38AAAAAAAAJAAAABAAAAAAAAAAMAAAAEAAAAAAAAAAAAAAAAAAAAAAAAAAeAAAAaAAAAAAAAAAAAAAAAAAAAAAAAAAAAAAAECcAABAnAAAAAAAAAAAAAAAAAAAAAAAAAAAAAAAAAAAAAAAAAAAAABQAAAAAAAAAwMD/AAAAAABkAAAAMgAAAAAAAABkAAAAAAAAAH9/fwAKAAAAHwAAAFQAAAAAAAAFAAAAAQAAAAAAAAAAAAAAAAAAAAAAAAAAAAAAAAAAAAAAAAAAAAAAAn9/fwAAAAADzMzMAMDA/wB/f38AAAAAAAAAAAAAAAAAAAAAAAAAAAAhAAAAGAAAABQAAADIKAAAsAEAAHA1AACwJQAAEAAAACYAAAAIAAAAgwAAAAAAAAA="/>
+                <pr:smNativeData xmlns:pr="smNativeData" val="SMDATA_13_cFGrYxMAAAAlAAAAZAAAAA8BAAAAkAAAAEgAAACQAAAASAAAAAAAAAACAAAAAQAAAAEAAABQAAAAAAAAAAAA4D8AAAAAAADgPwAAAAAAAOA/AAAAAAAA4D8AAAAAAADgPwAAAAAAAOA/AAAAAAAA4D8AAAAAAADgPwAAAAAAAOA/AAAAAAAA4D8CAAAAjAAAAAAAAAAAAAAAu+DjDP///wgAAAAAAAAAAAAAAAAAAAAAAAAAAAAAAAAAAAAAZAAAAAEAAABAAAAAAAAAAAAAAAAAAAAAAAAAAAAAAAAAAAAAAAAAAAAAAAAAAAAAAAAAAAAAAAAAAAAAAAAAAAAAAAAAAAAAAAAAAAAAAAAAAAAAAAAAAAAAAAAAAAAAFAAAADwAAAAAAAAAAAAAAAAAAAkUAAAAAQAAABQAAAAUAAAAFAAAAAEAAAAAAAAAZAAAAGQAAAAAAAAAZAAAAGQAAAAVAAAAYAAAAAAAAAAAAAAADwAAACADAAAAAAAAAAAAAAEAAACgMgAAVgcAAKr4//8BAAAAf39/AAEAAABkAAAAAAAAABQAAABAHwAAAAAAACYAAAAAAAAAwOD//wAAAAAmAAAAZAAAABYAAABMAAAAAAAAAAAAAAAEAAAAAAAAAAEAAACAgIAKAAAAACgAAAAoAAAAZAAAAGQAAAAAAAAAzMzMAAAAAABQAAAAUAAAAGQAAABkAAAAAAAAABcAAAAUAAAAAAAAAAAAAAD/fwAA/38AAAAAAAAJAAAABAAAAAAAAAAMAAAAEAAAAAAAAAAAAAAAAAAAAAAAAAAeAAAAaAAAAAAAAAAAAAAAAAAAAAAAAAAAAAAAECcAABAnAAAAAAAAAAAAAAAAAAAAAAAAAAAAAAAAAAAAAAAAAAAAABQAAAAAAAAAwMD/AAAAAABkAAAAMgAAAAAAAABkAAAAAAAAAH9/fwAKAAAAHwAAAFQAAAAAAAAFAAAAAQAAAAAAAAAAAAAAAAAAAAAAAAAAAAAAAAAAAAAAAAAAAAAAAn9/fwAAAAADzMzMAMDA/wB/f38AAAAAAAAAAAAAAAAAAAAAAAAAAAAhAAAAGAAAABQAAADIKAAAsAEAAHA1AACwJQAAEAAAACYAAAAIAAAAgwAAAAAAAAA="/>
               </a:ext>
             </a:extLst>
           </p:cNvSpPr>
@@ -653,7 +654,7 @@
             <a:spLocks noGrp="1" noChangeArrowheads="1"/>
             <a:extLst>
               <a:ext uri="smNativeData">
-                <pr:smNativeData xmlns:pr="smNativeData" val="SMDATA_13_5iCqYxMAAAAlAAAAZAAAAA8BAAAAkAAAAEgAAACQAAAASAAAAAAAAAAAAAAAAQAAAAEAAABQAAAAAAAAAAAA4D8AAAAAAADgPwAAAAAAAOA/AAAAAAAA4D8AAAAAAADgPwAAAAAAAOA/AAAAAAAA4D8AAAAAAADgPwAAAAAAAOA/AAAAAAAA4D8CAAAAjAAAAAAAAAAAAAAAu+DjDP///wgAAAAAAAAAAAAAAAAAAAAAAAAAAAAAAAAAAAAAZAAAAAEAAABAAAAAAAAAAAAAAAAAAAAAAAAAAAAAAAAAAAAAAAAAAAAAAAAAAAAAAAAAAAAAAAAAAAAAAAAAAAAAAAAAAAAAAAAAAAAAAAAAAAAAAAAAAAAAAAAAAAAAFAAAADwAAAAAAAAAAAAAAAAAAAkUAAAAAQAAABQAAAAUAAAAFAAAAAEAAAAAAAAAZAAAAGQAAAAAAAAAZAAAAGQAAAAVAAAAYAAAAAAAAAAAAAAADwAAACADAAAAAAAAAAAAAAEAAACgMgAAVgcAAKr4//8BAAAAf39/AAEAAABkAAAAAAAAABQAAABAHwAAAAAAACYAAAAAAAAAwOD//wAAAAAmAAAAZAAAABYAAABMAAAAAAAAAAAAAAAEAAAAAAAAAAEAAACAgIAKAAAAACgAAAAoAAAAZAAAAGQAAAAAAAAAzMzMAAAAAABQAAAAUAAAAGQAAABkAAAAAAAAABcAAAAUAAAAAAAAAAAAAAD/fwAA/38AAAAAAAAJAAAABAAAAAAAAAAMAAAAEAAAAAAAAAAAAAAAAAAAAAAAAAAeAAAAaAAAAAAAAAAAAAAAAAAAAAAAAAAAAAAAECcAABAnAAAAAAAAAAAAAAAAAAAAAAAAAAAAAAAAAAAAAAAAAAAAABQAAAAAAAAAwMD/AAAAAABkAAAAMgAAAAAAAABkAAAAAAAAAH9/fwAKAAAAHwAAAFQAAAAAAAAFAAAAAQAAAAAAAAAAAAAAAAAAAAAAAAAAAAAAAAAAAAAAAAAAAAAAAn9/fwAAAAADzMzMAMDA/wB/f38AAAAAAAAAAAAAAAAAAAAAAAAAAAAhAAAAGAAAABQAAADQAgAAsAEAANgnAACwJQAAEAAAACYAAAAIAAAAAwAAAAAAAAA="/>
+                <pr:smNativeData xmlns:pr="smNativeData" val="SMDATA_13_cFGrYxMAAAAlAAAAZAAAAA8BAAAAkAAAAEgAAACQAAAASAAAAAAAAAAAAAAAAQAAAAEAAABQAAAAAAAAAAAA4D8AAAAAAADgPwAAAAAAAOA/AAAAAAAA4D8AAAAAAADgPwAAAAAAAOA/AAAAAAAA4D8AAAAAAADgPwAAAAAAAOA/AAAAAAAA4D8CAAAAjAAAAAAAAAAAAAAAu+DjDP///wgAAAAAAAAAAAAAAAAAAAAAAAAAAAAAAAAAAAAAZAAAAAEAAABAAAAAAAAAAAAAAAAAAAAAAAAAAAAAAAAAAAAAAAAAAAAAAAAAAAAAAAAAAAAAAAAAAAAAAAAAAAAAAAAAAAAAAAAAAAAAAAAAAAAAAAAAAAAAAAAAAAAAFAAAADwAAAAAAAAAAAAAAAAAAAkUAAAAAQAAABQAAAAUAAAAFAAAAAEAAAAAAAAAZAAAAGQAAAAAAAAAZAAAAGQAAAAVAAAAYAAAAAAAAAAAAAAADwAAACADAAAAAAAAAAAAAAEAAACgMgAAVgcAAKr4//8BAAAAf39/AAEAAABkAAAAAAAAABQAAABAHwAAAAAAACYAAAAAAAAAwOD//wAAAAAmAAAAZAAAABYAAABMAAAAAAAAAAAAAAAEAAAAAAAAAAEAAACAgIAKAAAAACgAAAAoAAAAZAAAAGQAAAAAAAAAzMzMAAAAAABQAAAAUAAAAGQAAABkAAAAAAAAABcAAAAUAAAAAAAAAAAAAAD/fwAA/38AAAAAAAAJAAAABAAAAAAAAAAMAAAAEAAAAAAAAAAAAAAAAAAAAAAAAAAeAAAAaAAAAAAAAAAAAAAAAAAAAAAAAAAAAAAAECcAABAnAAAAAAAAAAAAAAAAAAAAAAAAAAAAAAAAAAAAAAAAAAAAABQAAAAAAAAAwMD/AAAAAABkAAAAMgAAAAAAAABkAAAAAAAAAH9/fwAKAAAAHwAAAFQAAAAAAAAFAAAAAQAAAAAAAAAAAAAAAAAAAAAAAAAAAAAAAAAAAAAAAAAAAAAAAn9/fwAAAAADzMzMAMDA/wB/f38AAAAAAAAAAAAAAAAAAAAAAAAAAAAhAAAAGAAAABQAAADQAgAAsAEAANgnAACwJQAAEAAAACYAAAAIAAAAAwAAAAAAAAA="/>
               </a:ext>
             </a:extLst>
           </p:cNvSpPr>
@@ -713,7 +714,7 @@
             <a:spLocks noGrp="1" noChangeArrowheads="1"/>
             <a:extLst>
               <a:ext uri="smNativeData">
-                <pr:smNativeData xmlns:pr="smNativeData" val="SMDATA_13_5iCqYxMAAAAlAAAAZAAAAA8BAAAAkAAAAEgAAACQAAAASAAAAAAAAAABAAAAAAAAAAEAAABQAAAAAAAAAAAA4D8AAAAAAADgPwAAAAAAAOA/AAAAAAAA4D8AAAAAAADgPwAAAAAAAOA/AAAAAAAA4D8AAAAAAADgPwAAAAAAAOA/AAAAAAAA4D8CAAAAjAAAAAAAAAAAAAAAu+DjDP///wgAAAAAAAAAAAAAAAAAAAAAAAAAAAAAAAAAAAAAZAAAAAEAAABAAAAAAAAAAAAAAAAAAAAAAAAAAAAAAAAAAAAAAAAAAAAAAAAAAAAAAAAAAAAAAAAAAAAAAAAAAAAAAAAAAAAAAAAAAAAAAAAAAAAAAAAAAAAAAAAAAAAAFAAAADwAAAAAAAAAAAAAAAAAAAkUAAAAAQAAABQAAAAUAAAAFAAAAAEAAAAAAAAAZAAAAGQAAAAAAAAAZAAAAGQAAAAVAAAAYAAAAAAAAAAAAAAADwAAACADAAAAAAAAAAAAAAEAAACgMgAAVgcAAKr4//8BAAAAf39/AAEAAABkAAAAAAAAABQAAABAHwAAAAAAACYAAAAAAAAAwOD//wAAAAAmAAAAZAAAABYAAABMAAAAAAAAAAAAAAAEAAAAAAAAAAEAAACAgIAKAAAAACgAAAAoAAAAZAAAAGQAAAAAAAAAzMzMAAAAAABQAAAAUAAAAGQAAABkAAAAAAAAABcAAAAUAAAAAAAAAAAAAAD/fwAA/38AAAAAAAAJAAAABAAAAAAAAAAMAAAAEAAAAAAAAAAAAAAAAAAAAAAAAAAeAAAAaAAAAAAAAAAAAAAAAAAAAAAAAAAAAAAAECcAABAnAAAAAAAAAAAAAAAAAAAAAAAAAAAAAAAAAAAAAAAAAAAAABQAAAAAAAAAwMD/AAAAAABkAAAAMgAAAAAAAABkAAAAAAAAAH9/fwAKAAAAHwAAAFQAAAAAAAAFAAAAAQAAAAAAAAAAAAAAAAAAAAAAAAAAAAAAAAAAAAAAAAAAAAAAAn9/fwAAAAADzMzMAMDA/wB/f38AAAAAAAAAAAAAAAAAAAAAAAAAAAAhAAAAGAAAABQAAADQAgAAGycAAPAPAABZKQAAEAAAACYAAAAIAAAAAAAAAAAAAAA="/>
+                <pr:smNativeData xmlns:pr="smNativeData" val="SMDATA_13_cFGrYxMAAAAlAAAAZAAAAA8BAAAAkAAAAEgAAACQAAAASAAAAAAAAAABAAAAAAAAAAEAAABQAAAAAAAAAAAA4D8AAAAAAADgPwAAAAAAAOA/AAAAAAAA4D8AAAAAAADgPwAAAAAAAOA/AAAAAAAA4D8AAAAAAADgPwAAAAAAAOA/AAAAAAAA4D8CAAAAjAAAAAAAAAAAAAAAu+DjDP///wgAAAAAAAAAAAAAAAAAAAAAAAAAAAAAAAAAAAAAZAAAAAEAAABAAAAAAAAAAAAAAAAAAAAAAAAAAAAAAAAAAAAAAAAAAAAAAAAAAAAAAAAAAAAAAAAAAAAAAAAAAAAAAAAAAAAAAAAAAAAAAAAAAAAAAAAAAAAAAAAAAAAAFAAAADwAAAAAAAAAAAAAAAAAAAkUAAAAAQAAABQAAAAUAAAAFAAAAAEAAAAAAAAAZAAAAGQAAAAAAAAAZAAAAGQAAAAVAAAAYAAAAAAAAAAAAAAADwAAACADAAAAAAAAAAAAAAEAAACgMgAAVgcAAKr4//8BAAAAf39/AAEAAABkAAAAAAAAABQAAABAHwAAAAAAACYAAAAAAAAAwOD//wAAAAAmAAAAZAAAABYAAABMAAAAAAAAAAAAAAAEAAAAAAAAAAEAAACAgIAKAAAAACgAAAAoAAAAZAAAAGQAAAAAAAAAzMzMAAAAAABQAAAAUAAAAGQAAABkAAAAAAAAABcAAAAUAAAAAAAAAAAAAAD/fwAA/38AAAAAAAAJAAAABAAAAAAAAAAMAAAAEAAAAAAAAAAAAAAAAAAAAAAAAAAeAAAAaAAAAAAAAAAAAAAAAAAAAAAAAAAAAAAAECcAABAnAAAAAAAAAAAAAAAAAAAAAAAAAAAAAAAAAAAAAAAAAAAAABQAAAAAAAAAwMD/AAAAAABkAAAAMgAAAAAAAABkAAAAAAAAAH9/fwAKAAAAHwAAAFQAAAAAAAAFAAAAAQAAAAAAAAAAAAAAAAAAAAAAAAAAAAAAAAAAAAAAAAAAAAAAAn9/fwAAAAADzMzMAMDA/wB/f38AAAAAAAAAAAAAAAAAAAAAAAAAAAAhAAAAGAAAABQAAADQAgAAGycAAPAPAABZKQAAEAAAACYAAAAIAAAAAAAAAAAAAAA="/>
               </a:ext>
             </a:extLst>
           </p:cNvSpPr>
@@ -727,7 +728,7 @@
           <a:lstStyle/>
           <a:p>
             <a:pPr/>
-            <a:fld id="{26839DB2-FCCB-D66B-853B-0A3ED375735F}" type="datetime1">
+            <a:fld id="{21E7ED02-4CCC-B21B-825F-BA4EA31174EF}" type="datetime1">
               <a:t/>
             </a:fld>
           </a:p>
@@ -740,7 +741,7 @@
             <a:spLocks noGrp="1" noChangeArrowheads="1"/>
             <a:extLst>
               <a:ext uri="smNativeData">
-                <pr:smNativeData xmlns:pr="smNativeData" val="SMDATA_13_5iCqYxMAAAAlAAAAZAAAAA8BAAAAkAAAAEgAAACQAAAASAAAAAAAAAABAAAAAAAAAAEAAABQAAAAAAAAAAAA4D8AAAAAAADgPwAAAAAAAOA/AAAAAAAA4D8AAAAAAADgPwAAAAAAAOA/AAAAAAAA4D8AAAAAAADgPwAAAAAAAOA/AAAAAAAA4D8CAAAAjAAAAAAAAAAAAAAAu+DjDP///wgAAAAAAAAAAAAAAAAAAAAAAAAAAAAAAAAAAAAAZAAAAAEAAABAAAAAAAAAAAAAAAAAAAAAAAAAAAAAAAAAAAAAAAAAAAAAAAAAAAAAAAAAAAAAAAAAAAAAAAAAAAAAAAAAAAAAAAAAAAAAAAAAAAAAAAAAAAAAAAAAAAAAFAAAADwAAAAAAAAAAAAAAAAAAAkUAAAAAQAAABQAAAAUAAAAFAAAAAEAAAAAAAAAZAAAAGQAAAAAAAAAZAAAAGQAAAAVAAAAYAAAAAAAAAAAAAAADwAAACADAAAAAAAAAAAAAAEAAACgMgAAVgcAAKr4//8BAAAAf39/AAEAAABkAAAAAAAAABQAAABAHwAAAAAAACYAAAAAAAAAwOD//wAAAAAmAAAAZAAAABYAAABMAAAAAAAAAAAAAAAEAAAAAAAAAAEAAACAgIAKAAAAACgAAAAoAAAAZAAAAGQAAAAAAAAAzMzMAAAAAABQAAAAUAAAAGQAAABkAAAAAAAAABcAAAAUAAAAAAAAAAAAAAD/fwAA/38AAAAAAAAJAAAABAAAAAAAAAAMAAAAEAAAAAAAAAAAAAAAAAAAAAAAAAAeAAAAaAAAAAAAAAAAAAAAAAAAAAAAAAAAAAAAECcAABAnAAAAAAAAAAAAAAAAAAAAAAAAAAAAAAAAAAAAAAAAAAAAABQAAAAAAAAAwMD/AAAAAABkAAAAMgAAAAAAAABkAAAAAAAAAH9/fwAKAAAAHwAAAFQAAAAAAAAFAAAAAQAAAAAAAAAAAAAAAAAAAAAAAAAAAAAAAAAAAAAAAAAAAAAAAn9/fwAAAAADzMzMAMDA/wB/f38AAAAAAAAAAAAAAAAAAAAAAAAAAAAhAAAAGAAAABQAAAA4EwAAGycAAAglAABZKQAAEAAAACYAAAAIAAAAAAAAAAAAAAA="/>
+                <pr:smNativeData xmlns:pr="smNativeData" val="SMDATA_13_cFGrYxMAAAAlAAAAZAAAAA8BAAAAkAAAAEgAAACQAAAASAAAAAAAAAABAAAAAAAAAAEAAABQAAAAAAAAAAAA4D8AAAAAAADgPwAAAAAAAOA/AAAAAAAA4D8AAAAAAADgPwAAAAAAAOA/AAAAAAAA4D8AAAAAAADgPwAAAAAAAOA/AAAAAAAA4D8CAAAAjAAAAAAAAAAAAAAAu+DjDP///wgAAAAAAAAAAAAAAAAAAAAAAAAAAAAAAAAAAAAAZAAAAAEAAABAAAAAAAAAAAAAAAAAAAAAAAAAAAAAAAAAAAAAAAAAAAAAAAAAAAAAAAAAAAAAAAAAAAAAAAAAAAAAAAAAAAAAAAAAAAAAAAAAAAAAAAAAAAAAAAAAAAAAFAAAADwAAAAAAAAAAAAAAAAAAAkUAAAAAQAAABQAAAAUAAAAFAAAAAEAAAAAAAAAZAAAAGQAAAAAAAAAZAAAAGQAAAAVAAAAYAAAAAAAAAAAAAAADwAAACADAAAAAAAAAAAAAAEAAACgMgAAVgcAAKr4//8BAAAAf39/AAEAAABkAAAAAAAAABQAAABAHwAAAAAAACYAAAAAAAAAwOD//wAAAAAmAAAAZAAAABYAAABMAAAAAAAAAAAAAAAEAAAAAAAAAAEAAACAgIAKAAAAACgAAAAoAAAAZAAAAGQAAAAAAAAAzMzMAAAAAABQAAAAUAAAAGQAAABkAAAAAAAAABcAAAAUAAAAAAAAAAAAAAD/fwAA/38AAAAAAAAJAAAABAAAAAAAAAAMAAAAEAAAAAAAAAAAAAAAAAAAAAAAAAAeAAAAaAAAAAAAAAAAAAAAAAAAAAAAAAAAAAAAECcAABAnAAAAAAAAAAAAAAAAAAAAAAAAAAAAAAAAAAAAAAAAAAAAABQAAAAAAAAAwMD/AAAAAABkAAAAMgAAAAAAAABkAAAAAAAAAH9/fwAKAAAAHwAAAFQAAAAAAAAFAAAAAQAAAAAAAAAAAAAAAAAAAAAAAAAAAAAAAAAAAAAAAAAAAAAAAn9/fwAAAAADzMzMAMDA/wB/f38AAAAAAAAAAAAAAAAAAAAAAAAAAAAhAAAAGAAAABQAAAA4EwAAGycAAAglAABZKQAAEAAAACYAAAAIAAAAAAAAAAAAAAA="/>
               </a:ext>
             </a:extLst>
           </p:cNvSpPr>
@@ -764,7 +765,7 @@
             <a:spLocks noGrp="1" noChangeArrowheads="1"/>
             <a:extLst>
               <a:ext uri="smNativeData">
-                <pr:smNativeData xmlns:pr="smNativeData" val="SMDATA_13_5iCqYxMAAAAlAAAAZAAAAA8BAAAAkAAAAEgAAACQAAAASAAAAAAAAAABAAAAAAAAAAEAAABQAAAAAAAAAAAA4D8AAAAAAADgPwAAAAAAAOA/AAAAAAAA4D8AAAAAAADgPwAAAAAAAOA/AAAAAAAA4D8AAAAAAADgPwAAAAAAAOA/AAAAAAAA4D8CAAAAjAAAAAAAAAAAAAAAu+DjDP///wgAAAAAAAAAAAAAAAAAAAAAAAAAAAAAAAAAAAAAZAAAAAEAAABAAAAAAAAAAAAAAAAAAAAAAAAAAAAAAAAAAAAAAAAAAAAAAAAAAAAAAAAAAAAAAAAAAAAAAAAAAAAAAAAAAAAAAAAAAAAAAAAAAAAAAAAAAAAAAAAAAAAAFAAAADwAAAAAAAAAAAAAAAAAAAkUAAAAAQAAABQAAAAUAAAAFAAAAAEAAAAAAAAAZAAAAGQAAAAAAAAAZAAAAGQAAAAVAAAAYAAAAAAAAAAAAAAADwAAACADAAAAAAAAAAAAAAEAAACgMgAAVgcAAKr4//8BAAAAf39/AAEAAABkAAAAAAAAABQAAABAHwAAAAAAACYAAAAAAAAAwOD//wAAAAAmAAAAZAAAABYAAABMAAAAAAAAAAAAAAAEAAAAAAAAAAEAAACAgIAKAAAAACgAAAAoAAAAZAAAAGQAAAAAAAAAzMzMAAAAAABQAAAAUAAAAGQAAABkAAAAAAAAABcAAAAUAAAAAAAAAAAAAAD/fwAA/38AAAAAAAAJAAAABAAAAAAAAAAMAAAAEAAAAAAAAAAAAAAAAAAAAAAAAAAeAAAAaAAAAAAAAAAAAAAAAAAAAAAAAAAAAAAAECcAABAnAAAAAAAAAAAAAAAAAAAAAAAAAAAAAAAAAAAAAAAAAAAAABQAAAAAAAAAwMD/AAAAAABkAAAAMgAAAAAAAABkAAAAAAAAAH9/fwAKAAAAHwAAAFQAAAAAAAAFAAAAAQAAAAAAAAAAAAAAAAAAAAAAAAAAAAAAAAAAAAAAAAAAAAAAAn9/fwAAAAADzMzMAMDA/wB/f38AAAAAAAAAAAAAAAAAAAAAAAAAAAAhAAAAGAAAABQAAABQKAAAGycAAHA1AABZKQAAEAAAACYAAAAIAAAAAAAAAAAAAAA="/>
+                <pr:smNativeData xmlns:pr="smNativeData" val="SMDATA_13_cFGrYxMAAAAlAAAAZAAAAA8BAAAAkAAAAEgAAACQAAAASAAAAAAAAAABAAAAAAAAAAEAAABQAAAAAAAAAAAA4D8AAAAAAADgPwAAAAAAAOA/AAAAAAAA4D8AAAAAAADgPwAAAAAAAOA/AAAAAAAA4D8AAAAAAADgPwAAAAAAAOA/AAAAAAAA4D8CAAAAjAAAAAAAAAAAAAAAu+DjDP///wgAAAAAAAAAAAAAAAAAAAAAAAAAAAAAAAAAAAAAZAAAAAEAAABAAAAAAAAAAAAAAAAAAAAAAAAAAAAAAAAAAAAAAAAAAAAAAAAAAAAAAAAAAAAAAAAAAAAAAAAAAAAAAAAAAAAAAAAAAAAAAAAAAAAAAAAAAAAAAAAAAAAAFAAAADwAAAAAAAAAAAAAAAAAAAkUAAAAAQAAABQAAAAUAAAAFAAAAAEAAAAAAAAAZAAAAGQAAAAAAAAAZAAAAGQAAAAVAAAAYAAAAAAAAAAAAAAADwAAACADAAAAAAAAAAAAAAEAAACgMgAAVgcAAKr4//8BAAAAf39/AAEAAABkAAAAAAAAABQAAABAHwAAAAAAACYAAAAAAAAAwOD//wAAAAAmAAAAZAAAABYAAABMAAAAAAAAAAAAAAAEAAAAAAAAAAEAAACAgIAKAAAAACgAAAAoAAAAZAAAAGQAAAAAAAAAzMzMAAAAAABQAAAAUAAAAGQAAABkAAAAAAAAABcAAAAUAAAAAAAAAAAAAAD/fwAA/38AAAAAAAAJAAAABAAAAAAAAAAMAAAAEAAAAAAAAAAAAAAAAAAAAAAAAAAeAAAAaAAAAAAAAAAAAAAAAAAAAAAAAAAAAAAAECcAABAnAAAAAAAAAAAAAAAAAAAAAAAAAAAAAAAAAAAAAAAAAAAAABQAAAAAAAAAwMD/AAAAAABkAAAAMgAAAAAAAABkAAAAAAAAAH9/fwAKAAAAHwAAAFQAAAAAAAAFAAAAAQAAAAAAAAAAAAAAAAAAAAAAAAAAAAAAAAAAAAAAAAAAAAAAAn9/fwAAAAADzMzMAMDA/wB/f38AAAAAAAAAAAAAAAAAAAAAAAAAAAAhAAAAGAAAABQAAABQKAAAGycAAHA1AABZKQAAEAAAACYAAAAIAAAAAAAAAAAAAAA="/>
               </a:ext>
             </a:extLst>
           </p:cNvSpPr>
@@ -778,7 +779,7 @@
           <a:lstStyle/>
           <a:p>
             <a:pPr/>
-            <a:fld id="{2683A501-4FCB-D653-853B-B906EB7573EC}" type="slidenum">
+            <a:fld id="{21E7AD2D-63CC-B25B-825F-950EE31174C0}" type="slidenum">
               <a:t/>
             </a:fld>
           </a:p>
@@ -816,7 +817,7 @@
             <a:spLocks noGrp="1" noChangeArrowheads="1"/>
             <a:extLst>
               <a:ext uri="smNativeData">
-                <pr:smNativeData xmlns:pr="smNativeData" val="SMDATA_13_5iCqYxMAAAAlAAAAZAAAAA8BAAAAkAAAAEgAAACQAAAASAAAAAAAAAABAAAAAAAAAAEAAABQAAAAAAAAAAAA4D8AAAAAAADgPwAAAAAAAOA/AAAAAAAA4D8AAAAAAADgPwAAAAAAAOA/AAAAAAAA4D8AAAAAAADgPwAAAAAAAOA/AAAAAAAA4D8CAAAAjAAAAAAAAAAAAAAAu+DjDP///wgAAAAAAAAAAAAAAAAAAAAAAAAAAAAAAAAAAAAAZAAAAAEAAABAAAAAAAAAAAAAAAAAAAAAAAAAAAAAAAAAAAAAAAAAAAAAAAAAAAAAAAAAAAAAAAAAAAAAAAAAAAAAAAAAAAAAAAAAAAAAAAAAAAAAAAAAAAAAAAAAAAAAFAAAADwAAAAAAAAAAAAAAAAAAAkUAAAAAQAAABQAAAAUAAAAFAAAAAEAAAAAAAAAZAAAAGQAAAAAAAAAZAAAAGQAAAAVAAAAYAAAAAAAAAAAAAAADwAAACADAAAAAAAAAAAAAAEAAACgMgAAVgcAAKr4//8BAAAAf39/AAEAAABkAAAAAAAAABQAAABAHwAAAAAAACYAAAAAAAAAwOD//wAAAAAmAAAAZAAAABYAAABMAAAAAAAAAAAAAAAEAAAAAAAAAAEAAACAgIAKAAAAACgAAAAoAAAAZAAAAGQAAAAAAAAAzMzMAAAAAABQAAAAUAAAAGQAAABkAAAAAAAAABcAAAAUAAAAAAAAAAAAAAD/fwAA/38AAAAAAAAJAAAABAAAAE4AbwAMAAAAEAAAAAAAAAAAAAAAAAAAAAAAAAAeAAAAaAAAAAAAAAAAAAAAAAAAAAAAAAAAAAAAECcAABAnAAAAAAAAAAAAAAAAAAAAAAAAAAAAAAAAAAAAAAAAAAAAABQAAAAAAAAAwMD/AAAAAABkAAAAMgAAAAAAAABkAAAAAAAAAH9/fwAKAAAAHwAAAFQAAAAAAAAFAAAAAQAAAAAAAAAAAAAAAAAAAAAAAAAAAAAAAAAAAAAAAAAAAAAAAn9/fwAAAAADzMzMAMDA/wB/f38AAAAAAAAAAAAAAAAAAAAAAAAAAAAhAAAAGAAAABQAAADQAgAAsAEAAHA1AAC4CAAAEAAAACYAAAAIAAAAAAAAAAAAAAA="/>
+                <pr:smNativeData xmlns:pr="smNativeData" val="SMDATA_13_cFGrYxMAAAAlAAAAZAAAAA8BAAAAkAAAAEgAAACQAAAASAAAAAAAAAABAAAAAAAAAAEAAABQAAAAAAAAAAAA4D8AAAAAAADgPwAAAAAAAOA/AAAAAAAA4D8AAAAAAADgPwAAAAAAAOA/AAAAAAAA4D8AAAAAAADgPwAAAAAAAOA/AAAAAAAA4D8CAAAAjAAAAAAAAAAAAAAAu+DjDP///wgAAAAAAAAAAAAAAAAAAAAAAAAAAAAAAAAAAAAAZAAAAAEAAABAAAAAAAAAAAAAAAAAAAAAAAAAAAAAAAAAAAAAAAAAAAAAAAAAAAAAAAAAAAAAAAAAAAAAAAAAAAAAAAAAAAAAAAAAAAAAAAAAAAAAAAAAAAAAAAAAAAAAFAAAADwAAAAAAAAAAAAAAAAAAAkUAAAAAQAAABQAAAAUAAAAFAAAAAEAAAAAAAAAZAAAAGQAAAAAAAAAZAAAAGQAAAAVAAAAYAAAAAAAAAAAAAAADwAAACADAAAAAAAAAAAAAAEAAACgMgAAVgcAAKr4//8BAAAAf39/AAEAAABkAAAAAAAAABQAAABAHwAAAAAAACYAAAAAAAAAwOD//wAAAAAmAAAAZAAAABYAAABMAAAAAAAAAAAAAAAEAAAAAAAAAAEAAACAgIAKAAAAACgAAAAoAAAAZAAAAGQAAAAAAAAAzMzMAAAAAABQAAAAUAAAAGQAAABkAAAAAAAAABcAAAAUAAAAAAAAAAAAAAD/fwAA/38AAAAAAAAJAAAABAAAAE4AbwAMAAAAEAAAAAAAAAAAAAAAAAAAAAAAAAAeAAAAaAAAAAAAAAAAAAAAAAAAAAAAAAAAAAAAECcAABAnAAAAAAAAAAAAAAAAAAAAAAAAAAAAAAAAAAAAAAAAAAAAABQAAAAAAAAAwMD/AAAAAABkAAAAMgAAAAAAAABkAAAAAAAAAH9/fwAKAAAAHwAAAFQAAAAAAAAFAAAAAQAAAAAAAAAAAAAAAAAAAAAAAAAAAAAAAAAAAAAAAAAAAAAAAn9/fwAAAAADzMzMAMDA/wB/f38AAAAAAAAAAAAAAAAAAAAAAAAAAAAhAAAAGAAAABQAAADQAgAAsAEAAHA1AAC4CAAAEAAAACYAAAAIAAAAAAAAAAAAAAA="/>
               </a:ext>
             </a:extLst>
           </p:cNvSpPr>
@@ -843,7 +844,7 @@
             <a:spLocks noGrp="1" noChangeArrowheads="1"/>
             <a:extLst>
               <a:ext uri="smNativeData">
-                <pr:smNativeData xmlns:pr="smNativeData" val="SMDATA_13_5iCqYxMAAAAlAAAAZAAAAA8BAAAAkAAAAEgAAACQAAAASAAAAAAAAAAAAAAAAAAAAAEAAABQAAAAAAAAAAAA4D8AAAAAAADgPwAAAAAAAOA/AAAAAAAA4D8AAAAAAADgPwAAAAAAAOA/AAAAAAAA4D8AAAAAAADgPwAAAAAAAOA/AAAAAAAA4D8CAAAAjAAAAAAAAAAAAAAAu+DjDP///wgAAAAAAAAAAAAAAAAAAAAAAAAAAAAAAAAAAAAAZAAAAAEAAABAAAAAAAAAAAAAAAAAAAAAAAAAAAAAAAAAAAAAAAAAAAAAAAAAAAAAAAAAAAAAAAAAAAAAAAAAAAAAAAAAAAAAAAAAAAAAAAAAAAAAAAAAAAAAAAAAAAAAFAAAADwAAAAAAAAAAAAAAAAAAAkUAAAAAQAAABQAAAAUAAAAFAAAAAEAAAAAAAAAZAAAAGQAAAAAAAAAZAAAAGQAAAAVAAAAYAAAAAAAAAAAAAAADwAAACADAAAAAAAAAAAAAAEAAACgMgAAVgcAAKr4//8BAAAAf39/AAEAAABkAAAAAAAAABQAAABAHwAAAAAAACYAAAAAAAAAwOD//wAAAAAmAAAAZAAAABYAAABMAAAAAAAAAAAAAAAEAAAAAAAAAAEAAACAgIAKAAAAACgAAAAoAAAAZAAAAGQAAAAAAAAAzMzMAAAAAABQAAAAUAAAAGQAAABkAAAAAAAAABcAAAAUAAAAAAAAAAAAAAD/fwAA/38AAAAAAAAJAAAABAAAAAAAAAAMAAAAEAAAAAAAAAAAAAAAAAAAAAAAAAAeAAAAaAAAAAAAAAAAAAAAAAAAAAAAAAAAAAAAECcAABAnAAAAAAAAAAAAAAAAAAAAAAAAAAAAAAAAAAAAAAAAAAAAABQAAAAAAAAAwMD/AAAAAABkAAAAMgAAAAAAAABkAAAAAAAAAH9/fwAKAAAAHwAAAFQAAAAAAAAFAAAAAQAAAAAAAAAAAAAAAAAAAAAAAAAAAAAAAAAAAAAAAAAAAAAAAn9/fwAAAAADzMzMAMDA/wB/f38AAAAAAAAAAAAAAAAAAAAAAAAAAAAhAAAAGAAAABQAAADQAgAA2AkAAHA1AACwJQAAEAAAACYAAAAIAAAAAAAAAAAAAAA="/>
+                <pr:smNativeData xmlns:pr="smNativeData" val="SMDATA_13_cFGrYxMAAAAlAAAAZAAAAA8BAAAAkAAAAEgAAACQAAAASAAAAAAAAAAAAAAAAAAAAAEAAABQAAAAAAAAAAAA4D8AAAAAAADgPwAAAAAAAOA/AAAAAAAA4D8AAAAAAADgPwAAAAAAAOA/AAAAAAAA4D8AAAAAAADgPwAAAAAAAOA/AAAAAAAA4D8CAAAAjAAAAAAAAAAAAAAAu+DjDP///wgAAAAAAAAAAAAAAAAAAAAAAAAAAAAAAAAAAAAAZAAAAAEAAABAAAAAAAAAAAAAAAAAAAAAAAAAAAAAAAAAAAAAAAAAAAAAAAAAAAAAAAAAAAAAAAAAAAAAAAAAAAAAAAAAAAAAAAAAAAAAAAAAAAAAAAAAAAAAAAAAAAAAFAAAADwAAAAAAAAAAAAAAAAAAAkUAAAAAQAAABQAAAAUAAAAFAAAAAEAAAAAAAAAZAAAAGQAAAAAAAAAZAAAAGQAAAAVAAAAYAAAAAAAAAAAAAAADwAAACADAAAAAAAAAAAAAAEAAACgMgAAVgcAAKr4//8BAAAAf39/AAEAAABkAAAAAAAAABQAAABAHwAAAAAAACYAAAAAAAAAwOD//wAAAAAmAAAAZAAAABYAAABMAAAAAAAAAAAAAAAEAAAAAAAAAAEAAACAgIAKAAAAACgAAAAoAAAAZAAAAGQAAAAAAAAAzMzMAAAAAABQAAAAUAAAAGQAAABkAAAAAAAAABcAAAAUAAAAAAAAAAAAAAD/fwAA/38AAAAAAAAJAAAABAAAAAAAAAAMAAAAEAAAAAAAAAAAAAAAAAAAAAAAAAAeAAAAaAAAAAAAAAAAAAAAAAAAAAAAAAAAAAAAECcAABAnAAAAAAAAAAAAAAAAAAAAAAAAAAAAAAAAAAAAAAAAAAAAABQAAAAAAAAAwMD/AAAAAABkAAAAMgAAAAAAAABkAAAAAAAAAH9/fwAKAAAAHwAAAFQAAAAAAAAFAAAAAQAAAAAAAAAAAAAAAAAAAAAAAAAAAAAAAAAAAAAAAAAAAAAAAn9/fwAAAAADzMzMAMDA/wB/f38AAAAAAAAAAAAAAAAAAAAAAAAAAAAhAAAAGAAAABQAAADQAgAA2AkAAHA1AACwJQAAEAAAACYAAAAIAAAAAAAAAAAAAAA="/>
               </a:ext>
             </a:extLst>
           </p:cNvSpPr>
@@ -894,7 +895,7 @@
             <a:spLocks noGrp="1" noChangeArrowheads="1"/>
             <a:extLst>
               <a:ext uri="smNativeData">
-                <pr:smNativeData xmlns:pr="smNativeData" val="SMDATA_13_5iCqYxMAAAAlAAAAZAAAAA8BAAAAkAAAAEgAAACQAAAASAAAAAAAAAABAAAAAAAAAAEAAABQAAAAAAAAAAAA4D8AAAAAAADgPwAAAAAAAOA/AAAAAAAA4D8AAAAAAADgPwAAAAAAAOA/AAAAAAAA4D8AAAAAAADgPwAAAAAAAOA/AAAAAAAA4D8CAAAAjAAAAAAAAAAAAAAAu+DjDP///wgAAAAAAAAAAAAAAAAAAAAAAAAAAAAAAAAAAAAAZAAAAAEAAABAAAAAAAAAAAAAAAAAAAAAAAAAAAAAAAAAAAAAAAAAAAAAAAAAAAAAAAAAAAAAAAAAAAAAAAAAAAAAAAAAAAAAAAAAAAAAAAAAAAAAAAAAAAAAAAAAAAAAFAAAADwAAAAAAAAAAAAAAAAAAAkUAAAAAQAAABQAAAAUAAAAFAAAAAEAAAAAAAAAZAAAAGQAAAAAAAAAZAAAAGQAAAAVAAAAYAAAAAAAAAAAAAAADwAAACADAAAAAAAAAAAAAAEAAACgMgAAVgcAAKr4//8BAAAAf39/AAEAAABkAAAAAAAAABQAAABAHwAAAAAAACYAAAAAAAAAwOD//wAAAAAmAAAAZAAAABYAAABMAAAAAAAAAAAAAAAEAAAAAAAAAAEAAACAgIAKAAAAACgAAAAoAAAAZAAAAGQAAAAAAAAAzMzMAAAAAABQAAAAUAAAAGQAAABkAAAAAAAAABcAAAAUAAAAAAAAAAAAAAD/fwAA/38AAAAAAAAJAAAABAAAAFwAQwAMAAAAEAAAAAAAAAAAAAAAAAAAAAAAAAAeAAAAaAAAAAAAAAAAAAAAAAAAAAAAAAAAAAAAECcAABAnAAAAAAAAAAAAAAAAAAAAAAAAAAAAAAAAAAAAAAAAAAAAABQAAAAAAAAAwMD/AAAAAABkAAAAMgAAAAAAAABkAAAAAAAAAH9/fwAKAAAAHwAAAFQAAAAAAAAFAAAAAQAAAAAAAAAAAAAAAAAAAAAAAAAAAAAAAAAAAAAAAAAAAAAAAn9/fwAAAAADzMzMAMDA/wB/f38AAAAAAAAAAAAAAAAAAAAAAAAAAAAhAAAAGAAAABQAAADQAgAAGycAAPAPAABZKQAAEAAAACYAAAAIAAAAAAAAAAAAAAA="/>
+                <pr:smNativeData xmlns:pr="smNativeData" val="SMDATA_13_cFGrYxMAAAAlAAAAZAAAAA8BAAAAkAAAAEgAAACQAAAASAAAAAAAAAABAAAAAAAAAAEAAABQAAAAAAAAAAAA4D8AAAAAAADgPwAAAAAAAOA/AAAAAAAA4D8AAAAAAADgPwAAAAAAAOA/AAAAAAAA4D8AAAAAAADgPwAAAAAAAOA/AAAAAAAA4D8CAAAAjAAAAAAAAAAAAAAAu+DjDP///wgAAAAAAAAAAAAAAAAAAAAAAAAAAAAAAAAAAAAAZAAAAAEAAABAAAAAAAAAAAAAAAAAAAAAAAAAAAAAAAAAAAAAAAAAAAAAAAAAAAAAAAAAAAAAAAAAAAAAAAAAAAAAAAAAAAAAAAAAAAAAAAAAAAAAAAAAAAAAAAAAAAAAFAAAADwAAAAAAAAAAAAAAAAAAAkUAAAAAQAAABQAAAAUAAAAFAAAAAEAAAAAAAAAZAAAAGQAAAAAAAAAZAAAAGQAAAAVAAAAYAAAAAAAAAAAAAAADwAAACADAAAAAAAAAAAAAAEAAACgMgAAVgcAAKr4//8BAAAAf39/AAEAAABkAAAAAAAAABQAAABAHwAAAAAAACYAAAAAAAAAwOD//wAAAAAmAAAAZAAAABYAAABMAAAAAAAAAAAAAAAEAAAAAAAAAAEAAACAgIAKAAAAACgAAAAoAAAAZAAAAGQAAAAAAAAAzMzMAAAAAABQAAAAUAAAAGQAAABkAAAAAAAAABcAAAAUAAAAAAAAAAAAAAD/fwAA/38AAAAAAAAJAAAABAAAAFwAQwAMAAAAEAAAAAAAAAAAAAAAAAAAAAAAAAAeAAAAaAAAAAAAAAAAAAAAAAAAAAAAAAAAAAAAECcAABAnAAAAAAAAAAAAAAAAAAAAAAAAAAAAAAAAAAAAAAAAAAAAABQAAAAAAAAAwMD/AAAAAABkAAAAMgAAAAAAAABkAAAAAAAAAH9/fwAKAAAAHwAAAFQAAAAAAAAFAAAAAQAAAAAAAAAAAAAAAAAAAAAAAAAAAAAAAAAAAAAAAAAAAAAAAn9/fwAAAAADzMzMAMDA/wB/f38AAAAAAAAAAAAAAAAAAAAAAAAAAAAhAAAAGAAAABQAAADQAgAAGycAAPAPAABZKQAAEAAAACYAAAAIAAAAAAAAAAAAAAA="/>
               </a:ext>
             </a:extLst>
           </p:cNvSpPr>
@@ -908,7 +909,7 @@
           <a:lstStyle/>
           <a:p>
             <a:pPr/>
-            <a:fld id="{2683B586-C8CB-D643-853B-3E16FB75736B}" type="datetime1">
+            <a:fld id="{21E7FD08-46CC-B20B-825F-B05EB31174E5}" type="datetime1">
               <a:t/>
             </a:fld>
           </a:p>
@@ -921,7 +922,7 @@
             <a:spLocks noGrp="1" noChangeArrowheads="1"/>
             <a:extLst>
               <a:ext uri="smNativeData">
-                <pr:smNativeData xmlns:pr="smNativeData" val="SMDATA_13_5iCqYxMAAAAlAAAAZAAAAA8BAAAAkAAAAEgAAACQAAAASAAAAAAAAAABAAAAAAAAAAEAAABQAAAAAAAAAAAA4D8AAAAAAADgPwAAAAAAAOA/AAAAAAAA4D8AAAAAAADgPwAAAAAAAOA/AAAAAAAA4D8AAAAAAADgPwAAAAAAAOA/AAAAAAAA4D8CAAAAjAAAAAAAAAAAAAAAu+DjDP///wgAAAAAAAAAAAAAAAAAAAAAAAAAAAAAAAAAAAAAZAAAAAEAAABAAAAAAAAAAAAAAAAAAAAAAAAAAAAAAAAAAAAAAAAAAAAAAAAAAAAAAAAAAAAAAAAAAAAAAAAAAAAAAAAAAAAAAAAAAAAAAAAAAAAAAAAAAAAAAAAAAAAAFAAAADwAAAAAAAAAAAAAAAAAAAkUAAAAAQAAABQAAAAUAAAAFAAAAAEAAAAAAAAAZAAAAGQAAAAAAAAAZAAAAGQAAAAVAAAAYAAAAAAAAAAAAAAADwAAACADAAAAAAAAAAAAAAEAAACgMgAAVgcAAKr4//8BAAAAf39/AAEAAABkAAAAAAAAABQAAABAHwAAAAAAACYAAAAAAAAAwOD//wAAAAAmAAAAZAAAABYAAABMAAAAAAAAAAAAAAAEAAAAAAAAAAEAAACAgIAKAAAAACgAAAAoAAAAZAAAAGQAAAAAAAAAzMzMAAAAAABQAAAAUAAAAGQAAABkAAAAAAAAABcAAAAUAAAAAAAAAAAAAAD/fwAA/38AAAAAAAAJAAAABAAAAElJSf8MAAAAEAAAAAAAAAAAAAAAAAAAAAAAAAAeAAAAaAAAAAAAAAAAAAAAAAAAAAAAAAAAAAAAECcAABAnAAAAAAAAAAAAAAAAAAAAAAAAAAAAAAAAAAAAAAAAAAAAABQAAAAAAAAAwMD/AAAAAABkAAAAMgAAAAAAAABkAAAAAAAAAH9/fwAKAAAAHwAAAFQAAAAAAAAFAAAAAQAAAAAAAAAAAAAAAAAAAAAAAAAAAAAAAAAAAAAAAAAAAAAAAn9/fwAAAAADzMzMAMDA/wB/f38AAAAAAAAAAAAAAAAAAAAAAAAAAAAhAAAAGAAAABQAAAA4EwAAGycAAAglAABZKQAAEAAAACYAAAAIAAAAAAAAAAAAAAA="/>
+                <pr:smNativeData xmlns:pr="smNativeData" val="SMDATA_13_cFGrYxMAAAAlAAAAZAAAAA8BAAAAkAAAAEgAAACQAAAASAAAAAAAAAABAAAAAAAAAAEAAABQAAAAAAAAAAAA4D8AAAAAAADgPwAAAAAAAOA/AAAAAAAA4D8AAAAAAADgPwAAAAAAAOA/AAAAAAAA4D8AAAAAAADgPwAAAAAAAOA/AAAAAAAA4D8CAAAAjAAAAAAAAAAAAAAAu+DjDP///wgAAAAAAAAAAAAAAAAAAAAAAAAAAAAAAAAAAAAAZAAAAAEAAABAAAAAAAAAAAAAAAAAAAAAAAAAAAAAAAAAAAAAAAAAAAAAAAAAAAAAAAAAAAAAAAAAAAAAAAAAAAAAAAAAAAAAAAAAAAAAAAAAAAAAAAAAAAAAAAAAAAAAFAAAADwAAAAAAAAAAAAAAAAAAAkUAAAAAQAAABQAAAAUAAAAFAAAAAEAAAAAAAAAZAAAAGQAAAAAAAAAZAAAAGQAAAAVAAAAYAAAAAAAAAAAAAAADwAAACADAAAAAAAAAAAAAAEAAACgMgAAVgcAAKr4//8BAAAAf39/AAEAAABkAAAAAAAAABQAAABAHwAAAAAAACYAAAAAAAAAwOD//wAAAAAmAAAAZAAAABYAAABMAAAAAAAAAAAAAAAEAAAAAAAAAAEAAACAgIAKAAAAACgAAAAoAAAAZAAAAGQAAAAAAAAAzMzMAAAAAABQAAAAUAAAAGQAAABkAAAAAAAAABcAAAAUAAAAAAAAAAAAAAD/fwAA/38AAAAAAAAJAAAABAAAAElJSf8MAAAAEAAAAAAAAAAAAAAAAAAAAAAAAAAeAAAAaAAAAAAAAAAAAAAAAAAAAAAAAAAAAAAAECcAABAnAAAAAAAAAAAAAAAAAAAAAAAAAAAAAAAAAAAAAAAAAAAAABQAAAAAAAAAwMD/AAAAAABkAAAAMgAAAAAAAABkAAAAAAAAAH9/fwAKAAAAHwAAAFQAAAAAAAAFAAAAAQAAAAAAAAAAAAAAAAAAAAAAAAAAAAAAAAAAAAAAAAAAAAAAAn9/fwAAAAADzMzMAMDA/wB/f38AAAAAAAAAAAAAAAAAAAAAAAAAAAAhAAAAGAAAABQAAAA4EwAAGycAAAglAABZKQAAEAAAACYAAAAIAAAAAAAAAAAAAAA="/>
               </a:ext>
             </a:extLst>
           </p:cNvSpPr>
@@ -945,7 +946,7 @@
             <a:spLocks noGrp="1" noChangeArrowheads="1"/>
             <a:extLst>
               <a:ext uri="smNativeData">
-                <pr:smNativeData xmlns:pr="smNativeData" val="SMDATA_13_5iCqYxMAAAAlAAAAZAAAAA8BAAAAkAAAAEgAAACQAAAASAAAAAAAAAABAAAAAAAAAAEAAABQAAAAAAAAAAAA4D8AAAAAAADgPwAAAAAAAOA/AAAAAAAA4D8AAAAAAADgPwAAAAAAAOA/AAAAAAAA4D8AAAAAAADgPwAAAAAAAOA/AAAAAAAA4D8CAAAAjAAAAAAAAAAAAAAAu+DjDP///wgAAAAAAAAAAAAAAAAAAAAAAAAAAAAAAAAAAAAAZAAAAAEAAABAAAAAAAAAAAAAAAAAAAAAAAAAAAAAAAAAAAAAAAAAAAAAAAAAAAAAAAAAAAAAAAAAAAAAAAAAAAAAAAAAAAAAAAAAAAAAAAAAAAAAAAAAAAAAAAAAAAAAFAAAADwAAAAAAAAAAAAAAAAAAAkUAAAAAQAAABQAAAAUAAAAFAAAAAEAAAAAAAAAZAAAAGQAAAAAAAAAZAAAAGQAAAAVAAAAYAAAAAAAAAAAAAAADwAAACADAAAAAAAAAAAAAAEAAACgMgAAVgcAAKr4//8BAAAAf39/AAEAAABkAAAAAAAAABQAAABAHwAAAAAAACYAAAAAAAAAwOD//wAAAAAmAAAAZAAAABYAAABMAAAAAAAAAAAAAAAEAAAAAAAAAAEAAACAgIAKAAAAACgAAAAoAAAAZAAAAGQAAAAAAAAAzMzMAAAAAABQAAAAUAAAAGQAAABkAAAAAAAAABcAAAAUAAAAAAAAAAAAAAD/fwAA/38AAAAAAAAJAAAABAAAAAAAAAAMAAAAEAAAAAAAAAAAAAAAAAAAAAAAAAAeAAAAaAAAAAAAAAAAAAAAAAAAAAAAAAAAAAAAECcAABAnAAAAAAAAAAAAAAAAAAAAAAAAAAAAAAAAAAAAAAAAAAAAABQAAAAAAAAAwMD/AAAAAABkAAAAMgAAAAAAAABkAAAAAAAAAH9/fwAKAAAAHwAAAFQAAAAAAAAFAAAAAQAAAAAAAAAAAAAAAAAAAAAAAAAAAAAAAAAAAAAAAAAAAAAAAn9/fwAAAAADzMzMAMDA/wB/f38AAAAAAAAAAAAAAAAAAAAAAAAAAAAhAAAAGAAAABQAAABQKAAAGycAAHA1AABZKQAAEAAAACYAAAAIAAAAAAAAAAAAAAA="/>
+                <pr:smNativeData xmlns:pr="smNativeData" val="SMDATA_13_cFGrYxMAAAAlAAAAZAAAAA8BAAAAkAAAAEgAAACQAAAASAAAAAAAAAABAAAAAAAAAAEAAABQAAAAAAAAAAAA4D8AAAAAAADgPwAAAAAAAOA/AAAAAAAA4D8AAAAAAADgPwAAAAAAAOA/AAAAAAAA4D8AAAAAAADgPwAAAAAAAOA/AAAAAAAA4D8CAAAAjAAAAAAAAAAAAAAAu+DjDP///wgAAAAAAAAAAAAAAAAAAAAAAAAAAAAAAAAAAAAAZAAAAAEAAABAAAAAAAAAAAAAAAAAAAAAAAAAAAAAAAAAAAAAAAAAAAAAAAAAAAAAAAAAAAAAAAAAAAAAAAAAAAAAAAAAAAAAAAAAAAAAAAAAAAAAAAAAAAAAAAAAAAAAFAAAADwAAAAAAAAAAAAAAAAAAAkUAAAAAQAAABQAAAAUAAAAFAAAAAEAAAAAAAAAZAAAAGQAAAAAAAAAZAAAAGQAAAAVAAAAYAAAAAAAAAAAAAAADwAAACADAAAAAAAAAAAAAAEAAACgMgAAVgcAAKr4//8BAAAAf39/AAEAAABkAAAAAAAAABQAAABAHwAAAAAAACYAAAAAAAAAwOD//wAAAAAmAAAAZAAAABYAAABMAAAAAAAAAAAAAAAEAAAAAAAAAAEAAACAgIAKAAAAACgAAAAoAAAAZAAAAGQAAAAAAAAAzMzMAAAAAABQAAAAUAAAAGQAAABkAAAAAAAAABcAAAAUAAAAAAAAAAAAAAD/fwAA/38AAAAAAAAJAAAABAAAAAAAAAAMAAAAEAAAAAAAAAAAAAAAAAAAAAAAAAAeAAAAaAAAAAAAAAAAAAAAAAAAAAAAAAAAAAAAECcAABAnAAAAAAAAAAAAAAAAAAAAAAAAAAAAAAAAAAAAAAAAAAAAABQAAAAAAAAAwMD/AAAAAABkAAAAMgAAAAAAAABkAAAAAAAAAH9/fwAKAAAAHwAAAFQAAAAAAAAFAAAAAQAAAAAAAAAAAAAAAAAAAAAAAAAAAAAAAAAAAAAAAAAAAAAAAn9/fwAAAAADzMzMAMDA/wB/f38AAAAAAAAAAAAAAAAAAAAAAAAAAAAhAAAAGAAAABQAAABQKAAAGycAAHA1AABZKQAAEAAAACYAAAAIAAAAAAAAAAAAAAA="/>
               </a:ext>
             </a:extLst>
           </p:cNvSpPr>
@@ -959,7 +960,7 @@
           <a:lstStyle/>
           <a:p>
             <a:pPr/>
-            <a:fld id="{26839170-3ECB-D667-853B-C832DF75739D}" type="slidenum">
+            <a:fld id="{21E7BFAE-E0CC-B249-825F-161CF1117443}" type="slidenum">
               <a:t/>
             </a:fld>
           </a:p>
@@ -997,7 +998,7 @@
             <a:spLocks noGrp="1" noChangeArrowheads="1"/>
             <a:extLst>
               <a:ext uri="smNativeData">
-                <pr:smNativeData xmlns:pr="smNativeData" val="SMDATA_13_5iCqYxMAAAAlAAAAZAAAAA8BAAAAkAAAAEgAAACQAAAASAAAAAAAAAAAAAAAAAAAAAEAAABQAAAAAAAAAAAA4D8AAAAAAADgPwAAAAAAAOA/AAAAAAAA4D8AAAAAAADgPwAAAAAAAOA/AAAAAAAA4D8AAAAAAADgPwAAAAAAAOA/AAAAAAAA4D8CAAAAjAAAAAAAAAAAAAAAu+DjDP///wgAAAAAAAAAAAAAAAAAAAAAAAAAAAAAAAAAAAAAZAAAAAEAAABAAAAAAAAAAAAAAAAAAAAAAAAAAAAAAAAAAAAAAAAAAAAAAAAAAAAAAAAAAAAAAAAAAAAAAAAAAAAAAAAAAAAAAAAAAAAAAAAAAAAAAAAAAAAAAAAAAAAAFAAAADwAAAAAAAAAAAAAAAAAAAkUAAAAAQAAABQAAAAUAAAAFAAAAAEAAAAAAAAAZAAAAGQAAAAAAAAAZAAAAGQAAAAVAAAAYAAAAAAAAAAAAAAADwAAACADAAAAAAAAAAAAAAEAAACgMgAAVgcAAKr4//8BAAAAf39/AAEAAABkAAAAAAAAABQAAABAHwAAAAAAACYAAAAAAAAAwOD//wAAAAAmAAAAZAAAABYAAABMAAAAAAAAAAAAAAAEAAAAAAAAAAEAAACAgIAKAAAAACgAAAAoAAAAZAAAAGQAAAAAAAAAzMzMAAAAAABQAAAAUAAAAGQAAABkAAAAAAAAABcAAAAUAAAAAAAAAAAAAAD/fwAA/38AAAAAAAAJAAAABAAAAAAAAAAMAAAAEAAAAAAAAAAAAAAAAAAAAAAAAAAeAAAAaAAAAAAAAAAAAAAAAAAAAAAAAAAAAAAAECcAABAnAAAAAAAAAAAAAAAAAAAAAAAAAAAAAAAAAAAAAAAAAAAAABQAAAAAAAAAwMD/AAAAAABkAAAAMgAAAAAAAABkAAAAAAAAAH9/fwAKAAAAHwAAAFQAAAAAAAAFAAAAAQAAAAAAAAAAAAAAAAAAAAAAAAAAAAAAAAAAAAAAAAAAAAAAAn9/fwAAAAADzMzMAMDA/wB/f38AAAAAAAAAAAAAAAAAAAAAAAAAAAAhAAAAGAAAABQAAAByBAAAHBsAAEI0AAB9IwAAEAAAACYAAAAIAAAAgYAAAAAAAAA="/>
+                <pr:smNativeData xmlns:pr="smNativeData" val="SMDATA_13_cFGrYxMAAAAlAAAAZAAAAA8BAAAAkAAAAEgAAACQAAAASAAAAAAAAAAAAAAAAAAAAAEAAABQAAAAAAAAAAAA4D8AAAAAAADgPwAAAAAAAOA/AAAAAAAA4D8AAAAAAADgPwAAAAAAAOA/AAAAAAAA4D8AAAAAAADgPwAAAAAAAOA/AAAAAAAA4D8CAAAAjAAAAAAAAAAAAAAAu+DjDP///wgAAAAAAAAAAAAAAAAAAAAAAAAAAAAAAAAAAAAAZAAAAAEAAABAAAAAAAAAAAAAAAAAAAAAAAAAAAAAAAAAAAAAAAAAAAAAAAAAAAAAAAAAAAAAAAAAAAAAAAAAAAAAAAAAAAAAAAAAAAAAAAAAAAAAAAAAAAAAAAAAAAAAFAAAADwAAAAAAAAAAAAAAAAAAAkUAAAAAQAAABQAAAAUAAAAFAAAAAEAAAAAAAAAZAAAAGQAAAAAAAAAZAAAAGQAAAAVAAAAYAAAAAAAAAAAAAAADwAAACADAAAAAAAAAAAAAAEAAACgMgAAVgcAAKr4//8BAAAAf39/AAEAAABkAAAAAAAAABQAAABAHwAAAAAAACYAAAAAAAAAwOD//wAAAAAmAAAAZAAAABYAAABMAAAAAAAAAAAAAAAEAAAAAAAAAAEAAACAgIAKAAAAACgAAAAoAAAAZAAAAGQAAAAAAAAAzMzMAAAAAABQAAAAUAAAAGQAAABkAAAAAAAAABcAAAAUAAAAAAAAAAAAAAD/fwAA/38AAAAAAAAJAAAABAAAAAAAAAAMAAAAEAAAAAAAAAAAAAAAAAAAAAAAAAAeAAAAaAAAAAAAAAAAAAAAAAAAAAAAAAAAAAAAECcAABAnAAAAAAAAAAAAAAAAAAAAAAAAAAAAAAAAAAAAAAAAAAAAABQAAAAAAAAAwMD/AAAAAABkAAAAMgAAAAAAAABkAAAAAAAAAH9/fwAKAAAAHwAAAFQAAAAAAAAFAAAAAQAAAAAAAAAAAAAAAAAAAAAAAAAAAAAAAAAAAAAAAAAAAAAAAn9/fwAAAAADzMzMAMDA/wB/f38AAAAAAAAAAAAAAAAAAAAAAAAAAAAhAAAAGAAAABQAAAByBAAAHBsAAEI0AAB9IwAAEAAAACYAAAAIAAAAgYAAAAAAAAA="/>
               </a:ext>
             </a:extLst>
           </p:cNvSpPr>
@@ -1039,7 +1040,7 @@
             <a:spLocks noGrp="1" noChangeArrowheads="1"/>
             <a:extLst>
               <a:ext uri="smNativeData">
-                <pr:smNativeData xmlns:pr="smNativeData" val="SMDATA_13_5iCqYxMAAAAlAAAAZAAAAA8BAAAAkAAAAEgAAACQAAAASAAAAAAAAAACAAAAAAAAAAEAAABQAAAAAAAAAAAA4D8AAAAAAADgPwAAAAAAAOA/AAAAAAAA4D8AAAAAAADgPwAAAAAAAOA/AAAAAAAA4D8AAAAAAADgPwAAAAAAAOA/AAAAAAAA4D8CAAAAjAAAAAAAAAAAAAAAu+DjDP///wgAAAAAAAAAAAAAAAAAAAAAAAAAAAAAAAAAAAAAZAAAAAEAAABAAAAAAAAAAAAAAAAAAAAAAAAAAAAAAAAAAAAAAAAAAAAAAAAAAAAAAAAAAAAAAAAAAAAAAAAAAAAAAAAAAAAAAAAAAAAAAAAAAAAAAAAAAAAAAAAAAAAAFAAAADwAAAAAAAAAAAAAAAAAAAkUAAAAAQAAABQAAAAUAAAAFAAAAAEAAAAAAAAAZAAAAGQAAAAAAAAAZAAAAGQAAAAVAAAAYAAAAAAAAAAAAAAADwAAACADAAAAAAAAAAAAAAEAAACgMgAAVgcAAKr4//8BAAAAf39/AAEAAABkAAAAAAAAABQAAABAHwAAAAAAACYAAAAAAAAAwOD//wAAAAAmAAAAZAAAABYAAABMAAAAAAAAAAAAAAAEAAAAAAAAAAEAAACAgIAKAAAAACgAAAAoAAAAZAAAAGQAAAAAAAAAzMzMAAAAAABQAAAAUAAAAGQAAABkAAAAAAAAABcAAAAUAAAAAAAAAAAAAAD/fwAA/38AAAAAAAAJAAAABAAAAO3FAwAMAAAAEAAAAAAAAAAAAAAAAAAAAAAAAAAeAAAAaAAAAAAAAAAAAAAAAAAAAAAAAAAAAAAAECcAABAnAAAAAAAAAAAAAAAAAAAAAAAAAAAAAAAAAAAAAAAAAAAAABQAAAAAAAAAwMD/AAAAAABkAAAAMgAAAAAAAABkAAAAAAAAAH9/fwAKAAAAHwAAAFQAAAAAAAAFAAAAAQAAAAAAAAAAAAAAAAAAAAAAAAAAAAAAAAAAAAAAAAAAAAAAAn9/fwAAAAADzMzMAMDA/wB/f38AAAAAAAAAAAAAAAAAAAAAAAAAAAAhAAAAGAAAABQAAAByBAAA4REAAEI0AAAcGwAAEAAAACYAAAAIAAAAgYAAAAAAAAA="/>
+                <pr:smNativeData xmlns:pr="smNativeData" val="SMDATA_13_cFGrYxMAAAAlAAAAZAAAAA8BAAAAkAAAAEgAAACQAAAASAAAAAAAAAACAAAAAAAAAAEAAABQAAAAAAAAAAAA4D8AAAAAAADgPwAAAAAAAOA/AAAAAAAA4D8AAAAAAADgPwAAAAAAAOA/AAAAAAAA4D8AAAAAAADgPwAAAAAAAOA/AAAAAAAA4D8CAAAAjAAAAAAAAAAAAAAAu+DjDP///wgAAAAAAAAAAAAAAAAAAAAAAAAAAAAAAAAAAAAAZAAAAAEAAABAAAAAAAAAAAAAAAAAAAAAAAAAAAAAAAAAAAAAAAAAAAAAAAAAAAAAAAAAAAAAAAAAAAAAAAAAAAAAAAAAAAAAAAAAAAAAAAAAAAAAAAAAAAAAAAAAAAAAFAAAADwAAAAAAAAAAAAAAAAAAAkUAAAAAQAAABQAAAAUAAAAFAAAAAEAAAAAAAAAZAAAAGQAAAAAAAAAZAAAAGQAAAAVAAAAYAAAAAAAAAAAAAAADwAAACADAAAAAAAAAAAAAAEAAACgMgAAVgcAAKr4//8BAAAAf39/AAEAAABkAAAAAAAAABQAAABAHwAAAAAAACYAAAAAAAAAwOD//wAAAAAmAAAAZAAAABYAAABMAAAAAAAAAAAAAAAEAAAAAAAAAAEAAACAgIAKAAAAACgAAAAoAAAAZAAAAGQAAAAAAAAAzMzMAAAAAABQAAAAUAAAAGQAAABkAAAAAAAAABcAAAAUAAAAAAAAAAAAAAD/fwAA/38AAAAAAAAJAAAABAAAAO3FAwAMAAAAEAAAAAAAAAAAAAAAAAAAAAAAAAAeAAAAaAAAAAAAAAAAAAAAAAAAAAAAAAAAAAAAECcAABAnAAAAAAAAAAAAAAAAAAAAAAAAAAAAAAAAAAAAAAAAAAAAABQAAAAAAAAAwMD/AAAAAABkAAAAMgAAAAAAAABkAAAAAAAAAH9/fwAKAAAAHwAAAFQAAAAAAAAFAAAAAQAAAAAAAAAAAAAAAAAAAAAAAAAAAAAAAAAAAAAAAAAAAAAAAn9/fwAAAAADzMzMAMDA/wB/f38AAAAAAAAAAAAAAAAAAAAAAAAAAAAhAAAAGAAAABQAAAByBAAA4REAAEI0AAAcGwAAEAAAACYAAAAIAAAAgYAAAAAAAAA="/>
               </a:ext>
             </a:extLst>
           </p:cNvSpPr>
@@ -1112,7 +1113,7 @@
             <a:spLocks noGrp="1" noChangeArrowheads="1"/>
             <a:extLst>
               <a:ext uri="smNativeData">
-                <pr:smNativeData xmlns:pr="smNativeData" val="SMDATA_13_5iCqYxMAAAAlAAAAZAAAAA8BAAAAkAAAAEgAAACQAAAASAAAAAAAAAABAAAAAAAAAAEAAABQAAAAAAAAAAAA4D8AAAAAAADgPwAAAAAAAOA/AAAAAAAA4D8AAAAAAADgPwAAAAAAAOA/AAAAAAAA4D8AAAAAAADgPwAAAAAAAOA/AAAAAAAA4D8CAAAAjAAAAAAAAAAAAAAAu+DjDP///wgAAAAAAAAAAAAAAAAAAAAAAAAAAAAAAAAAAAAAZAAAAAEAAABAAAAAAAAAAAAAAAAAAAAAAAAAAAAAAAAAAAAAAAAAAAAAAAAAAAAAAAAAAAAAAAAAAAAAAAAAAAAAAAAAAAAAAAAAAAAAAAAAAAAAAAAAAAAAAAAAAAAAFAAAADwAAAAAAAAAAAAAAAAAAAkUAAAAAQAAABQAAAAUAAAAFAAAAAEAAAAAAAAAZAAAAGQAAAAAAAAAZAAAAGQAAAAVAAAAYAAAAAAAAAAAAAAADwAAACADAAAAAAAAAAAAAAEAAACgMgAAVgcAAKr4//8BAAAAf39/AAEAAABkAAAAAAAAABQAAABAHwAAAAAAACYAAAAAAAAAwOD//wAAAAAmAAAAZAAAABYAAABMAAAAAAAAAAAAAAAEAAAAAAAAAAEAAACAgIAKAAAAACgAAAAoAAAAZAAAAGQAAAAAAAAAzMzMAAAAAABQAAAAUAAAAGQAAABkAAAAAAAAABcAAAAUAAAAAAAAAAAAAAD/fwAA/38AAAAAAAAJAAAABAAAAPBC34oMAAAAEAAAAAAAAAAAAAAAAAAAAAAAAAAeAAAAaAAAAAAAAAAAAAAAAAAAAAAAAAAAAAAAECcAABAnAAAAAAAAAAAAAAAAAAAAAAAAAAAAAAAAAAAAAAAAAAAAABQAAAAAAAAAwMD/AAAAAABkAAAAMgAAAAAAAABkAAAAAAAAAH9/fwAKAAAAHwAAAFQAAAAAAAAFAAAAAQAAAAAAAAAAAAAAAAAAAAAAAAAAAAAAAAAAAAAAAAAAAAAAAn9/fwAAAAADzMzMAMDA/wB/f38AAAAAAAAAAAAAAAAAAAAAAAAAAAAhAAAAGAAAABQAAADQAgAAGycAAPAPAABZKQAAEAAAACYAAAAIAAAAAAAAAAAAAAA="/>
+                <pr:smNativeData xmlns:pr="smNativeData" val="SMDATA_13_cFGrYxMAAAAlAAAAZAAAAA8BAAAAkAAAAEgAAACQAAAASAAAAAAAAAABAAAAAAAAAAEAAABQAAAAAAAAAAAA4D8AAAAAAADgPwAAAAAAAOA/AAAAAAAA4D8AAAAAAADgPwAAAAAAAOA/AAAAAAAA4D8AAAAAAADgPwAAAAAAAOA/AAAAAAAA4D8CAAAAjAAAAAAAAAAAAAAAu+DjDP///wgAAAAAAAAAAAAAAAAAAAAAAAAAAAAAAAAAAAAAZAAAAAEAAABAAAAAAAAAAAAAAAAAAAAAAAAAAAAAAAAAAAAAAAAAAAAAAAAAAAAAAAAAAAAAAAAAAAAAAAAAAAAAAAAAAAAAAAAAAAAAAAAAAAAAAAAAAAAAAAAAAAAAFAAAADwAAAAAAAAAAAAAAAAAAAkUAAAAAQAAABQAAAAUAAAAFAAAAAEAAAAAAAAAZAAAAGQAAAAAAAAAZAAAAGQAAAAVAAAAYAAAAAAAAAAAAAAADwAAACADAAAAAAAAAAAAAAEAAACgMgAAVgcAAKr4//8BAAAAf39/AAEAAABkAAAAAAAAABQAAABAHwAAAAAAACYAAAAAAAAAwOD//wAAAAAmAAAAZAAAABYAAABMAAAAAAAAAAAAAAAEAAAAAAAAAAEAAACAgIAKAAAAACgAAAAoAAAAZAAAAGQAAAAAAAAAzMzMAAAAAABQAAAAUAAAAGQAAABkAAAAAAAAABcAAAAUAAAAAAAAAAAAAAD/fwAA/38AAAAAAAAJAAAABAAAAPBC34oMAAAAEAAAAAAAAAAAAAAAAAAAAAAAAAAeAAAAaAAAAAAAAAAAAAAAAAAAAAAAAAAAAAAAECcAABAnAAAAAAAAAAAAAAAAAAAAAAAAAAAAAAAAAAAAAAAAAAAAABQAAAAAAAAAwMD/AAAAAABkAAAAMgAAAAAAAABkAAAAAAAAAH9/fwAKAAAAHwAAAFQAAAAAAAAFAAAAAQAAAAAAAAAAAAAAAAAAAAAAAAAAAAAAAAAAAAAAAAAAAAAAAn9/fwAAAAADzMzMAMDA/wB/f38AAAAAAAAAAAAAAAAAAAAAAAAAAAAhAAAAGAAAABQAAADQAgAAGycAAPAPAABZKQAAEAAAACYAAAAIAAAAAAAAAAAAAAA="/>
               </a:ext>
             </a:extLst>
           </p:cNvSpPr>
@@ -1126,7 +1127,7 @@
           <a:lstStyle/>
           <a:p>
             <a:pPr/>
-            <a:fld id="{2683FD9C-D2CB-D60B-853B-245EB3757371}" type="datetime1">
+            <a:fld id="{21E7C404-4ACC-B232-825F-BC678A1174E9}" type="datetime1">
               <a:t/>
             </a:fld>
           </a:p>
@@ -1139,7 +1140,7 @@
             <a:spLocks noGrp="1" noChangeArrowheads="1"/>
             <a:extLst>
               <a:ext uri="smNativeData">
-                <pr:smNativeData xmlns:pr="smNativeData" val="SMDATA_13_5iCqYxMAAAAlAAAAZAAAAA8BAAAAkAAAAEgAAACQAAAASAAAAAAAAAABAAAAAAAAAAEAAABQAAAAAAAAAAAA4D8AAAAAAADgPwAAAAAAAOA/AAAAAAAA4D8AAAAAAADgPwAAAAAAAOA/AAAAAAAA4D8AAAAAAADgPwAAAAAAAOA/AAAAAAAA4D8CAAAAjAAAAAAAAAAAAAAAu+DjDP///wgAAAAAAAAAAAAAAAAAAAAAAAAAAAAAAAAAAAAAZAAAAAEAAABAAAAAAAAAAAAAAAAAAAAAAAAAAAAAAAAAAAAAAAAAAAAAAAAAAAAAAAAAAAAAAAAAAAAAAAAAAAAAAAAAAAAAAAAAAAAAAAAAAAAAAAAAAAAAAAAAAAAAFAAAADwAAAAAAAAAAAAAAAAAAAkUAAAAAQAAABQAAAAUAAAAFAAAAAEAAAAAAAAAZAAAAGQAAAAAAAAAZAAAAGQAAAAVAAAAYAAAAAAAAAAAAAAADwAAACADAAAAAAAAAAAAAAEAAACgMgAAVgcAAKr4//8BAAAAf39/AAEAAABkAAAAAAAAABQAAABAHwAAAAAAACYAAAAAAAAAwOD//wAAAAAmAAAAZAAAABYAAABMAAAAAAAAAAAAAAAEAAAAAAAAAAEAAACAgIAKAAAAACgAAAAoAAAAZAAAAGQAAAAAAAAAzMzMAAAAAABQAAAAUAAAAGQAAABkAAAAAAAAABcAAAAUAAAAAAAAAAAAAAD/fwAA/38AAAAAAAAJAAAABAAAANMZJUQMAAAAEAAAAAAAAAAAAAAAAAAAAAAAAAAeAAAAaAAAAAAAAAAAAAAAAAAAAAAAAAAAAAAAECcAABAnAAAAAAAAAAAAAAAAAAAAAAAAAAAAAAAAAAAAAAAAAAAAABQAAAAAAAAAwMD/AAAAAABkAAAAMgAAAAAAAABkAAAAAAAAAH9/fwAKAAAAHwAAAFQAAAAAAAAFAAAAAQAAAAAAAAAAAAAAAAAAAAAAAAAAAAAAAAAAAAAAAAAAAAAAAn9/fwAAAAADzMzMAMDA/wB/f38AAAAAAAAAAAAAAAAAAAAAAAAAAAAhAAAAGAAAABQAAAA4EwAAGycAAAglAABZKQAAEAAAACYAAAAIAAAAAAAAAAAAAAA="/>
+                <pr:smNativeData xmlns:pr="smNativeData" val="SMDATA_13_cFGrYxMAAAAlAAAAZAAAAA8BAAAAkAAAAEgAAACQAAAASAAAAAAAAAABAAAAAAAAAAEAAABQAAAAAAAAAAAA4D8AAAAAAADgPwAAAAAAAOA/AAAAAAAA4D8AAAAAAADgPwAAAAAAAOA/AAAAAAAA4D8AAAAAAADgPwAAAAAAAOA/AAAAAAAA4D8CAAAAjAAAAAAAAAAAAAAAu+DjDP///wgAAAAAAAAAAAAAAAAAAAAAAAAAAAAAAAAAAAAAZAAAAAEAAABAAAAAAAAAAAAAAAAAAAAAAAAAAAAAAAAAAAAAAAAAAAAAAAAAAAAAAAAAAAAAAAAAAAAAAAAAAAAAAAAAAAAAAAAAAAAAAAAAAAAAAAAAAAAAAAAAAAAAFAAAADwAAAAAAAAAAAAAAAAAAAkUAAAAAQAAABQAAAAUAAAAFAAAAAEAAAAAAAAAZAAAAGQAAAAAAAAAZAAAAGQAAAAVAAAAYAAAAAAAAAAAAAAADwAAACADAAAAAAAAAAAAAAEAAACgMgAAVgcAAKr4//8BAAAAf39/AAEAAABkAAAAAAAAABQAAABAHwAAAAAAACYAAAAAAAAAwOD//wAAAAAmAAAAZAAAABYAAABMAAAAAAAAAAAAAAAEAAAAAAAAAAEAAACAgIAKAAAAACgAAAAoAAAAZAAAAGQAAAAAAAAAzMzMAAAAAABQAAAAUAAAAGQAAABkAAAAAAAAABcAAAAUAAAAAAAAAAAAAAD/fwAA/38AAAAAAAAJAAAABAAAANMZJUQMAAAAEAAAAAAAAAAAAAAAAAAAAAAAAAAeAAAAaAAAAAAAAAAAAAAAAAAAAAAAAAAAAAAAECcAABAnAAAAAAAAAAAAAAAAAAAAAAAAAAAAAAAAAAAAAAAAAAAAABQAAAAAAAAAwMD/AAAAAABkAAAAMgAAAAAAAABkAAAAAAAAAH9/fwAKAAAAHwAAAFQAAAAAAAAFAAAAAQAAAAAAAAAAAAAAAAAAAAAAAAAAAAAAAAAAAAAAAAAAAAAAAn9/fwAAAAADzMzMAMDA/wB/f38AAAAAAAAAAAAAAAAAAAAAAAAAAAAhAAAAGAAAABQAAAA4EwAAGycAAAglAABZKQAAEAAAACYAAAAIAAAAAAAAAAAAAAA="/>
               </a:ext>
             </a:extLst>
           </p:cNvSpPr>
@@ -1163,7 +1164,7 @@
             <a:spLocks noGrp="1" noChangeArrowheads="1"/>
             <a:extLst>
               <a:ext uri="smNativeData">
-                <pr:smNativeData xmlns:pr="smNativeData" val="SMDATA_13_5iCqYxMAAAAlAAAAZAAAAA8BAAAAkAAAAEgAAACQAAAASAAAAAAAAAABAAAAAAAAAAEAAABQAAAAAAAAAAAA4D8AAAAAAADgPwAAAAAAAOA/AAAAAAAA4D8AAAAAAADgPwAAAAAAAOA/AAAAAAAA4D8AAAAAAADgPwAAAAAAAOA/AAAAAAAA4D8CAAAAjAAAAAAAAAAAAAAAu+DjDP///wgAAAAAAAAAAAAAAAAAAAAAAAAAAAAAAAAAAAAAZAAAAAEAAABAAAAAAAAAAAAAAAAAAAAAAAAAAAAAAAAAAAAAAAAAAAAAAAAAAAAAAAAAAAAAAAAAAAAAAAAAAAAAAAAAAAAAAAAAAAAAAAAAAAAAAAAAAAAAAAAAAAAAFAAAADwAAAAAAAAAAAAAAAAAAAkUAAAAAQAAABQAAAAUAAAAFAAAAAEAAAAAAAAAZAAAAGQAAAAAAAAAZAAAAGQAAAAVAAAAYAAAAAAAAAAAAAAADwAAACADAAAAAAAAAAAAAAEAAACgMgAAVgcAAKr4//8BAAAAf39/AAEAAABkAAAAAAAAABQAAABAHwAAAAAAACYAAAAAAAAAwOD//wAAAAAmAAAAZAAAABYAAABMAAAAAAAAAAAAAAAEAAAAAAAAAAEAAACAgIAKAAAAACgAAAAoAAAAZAAAAGQAAAAAAAAAzMzMAAAAAABQAAAAUAAAAGQAAABkAAAAAAAAABcAAAAUAAAAAAAAAAAAAAD/fwAA/38AAAAAAAAJAAAABAAAAPhL+yIMAAAAEAAAAAAAAAAAAAAAAAAAAAAAAAAeAAAAaAAAAAAAAAAAAAAAAAAAAAAAAAAAAAAAECcAABAnAAAAAAAAAAAAAAAAAAAAAAAAAAAAAAAAAAAAAAAAAAAAABQAAAAAAAAAwMD/AAAAAABkAAAAMgAAAAAAAABkAAAAAAAAAH9/fwAKAAAAHwAAAFQAAAAAAAAFAAAAAQAAAAAAAAAAAAAAAAAAAAAAAAAAAAAAAAAAAAAAAAAAAAAAAn9/fwAAAAADzMzMAMDA/wB/f38AAAAAAAAAAAAAAAAAAAAAAAAAAAAhAAAAGAAAABQAAABQKAAAGycAAHA1AABZKQAAEAAAACYAAAAIAAAAAAAAAAAAAAA="/>
+                <pr:smNativeData xmlns:pr="smNativeData" val="SMDATA_13_cFGrYxMAAAAlAAAAZAAAAA8BAAAAkAAAAEgAAACQAAAASAAAAAAAAAABAAAAAAAAAAEAAABQAAAAAAAAAAAA4D8AAAAAAADgPwAAAAAAAOA/AAAAAAAA4D8AAAAAAADgPwAAAAAAAOA/AAAAAAAA4D8AAAAAAADgPwAAAAAAAOA/AAAAAAAA4D8CAAAAjAAAAAAAAAAAAAAAu+DjDP///wgAAAAAAAAAAAAAAAAAAAAAAAAAAAAAAAAAAAAAZAAAAAEAAABAAAAAAAAAAAAAAAAAAAAAAAAAAAAAAAAAAAAAAAAAAAAAAAAAAAAAAAAAAAAAAAAAAAAAAAAAAAAAAAAAAAAAAAAAAAAAAAAAAAAAAAAAAAAAAAAAAAAAFAAAADwAAAAAAAAAAAAAAAAAAAkUAAAAAQAAABQAAAAUAAAAFAAAAAEAAAAAAAAAZAAAAGQAAAAAAAAAZAAAAGQAAAAVAAAAYAAAAAAAAAAAAAAADwAAACADAAAAAAAAAAAAAAEAAACgMgAAVgcAAKr4//8BAAAAf39/AAEAAABkAAAAAAAAABQAAABAHwAAAAAAACYAAAAAAAAAwOD//wAAAAAmAAAAZAAAABYAAABMAAAAAAAAAAAAAAAEAAAAAAAAAAEAAACAgIAKAAAAACgAAAAoAAAAZAAAAGQAAAAAAAAAzMzMAAAAAABQAAAAUAAAAGQAAABkAAAAAAAAABcAAAAUAAAAAAAAAAAAAAD/fwAA/38AAAAAAAAJAAAABAAAAPhL+yIMAAAAEAAAAAAAAAAAAAAAAAAAAAAAAAAeAAAAaAAAAAAAAAAAAAAAAAAAAAAAAAAAAAAAECcAABAnAAAAAAAAAAAAAAAAAAAAAAAAAAAAAAAAAAAAAAAAAAAAABQAAAAAAAAAwMD/AAAAAABkAAAAMgAAAAAAAABkAAAAAAAAAH9/fwAKAAAAHwAAAFQAAAAAAAAFAAAAAQAAAAAAAAAAAAAAAAAAAAAAAAAAAAAAAAAAAAAAAAAAAAAAAn9/fwAAAAADzMzMAMDA/wB/f38AAAAAAAAAAAAAAAAAAAAAAAAAAAAhAAAAGAAAABQAAABQKAAAGycAAHA1AABZKQAAEAAAACYAAAAIAAAAAAAAAAAAAAA="/>
               </a:ext>
             </a:extLst>
           </p:cNvSpPr>
@@ -1177,7 +1178,7 @@
           <a:lstStyle/>
           <a:p>
             <a:pPr/>
-            <a:fld id="{2683B314-5ACB-D645-853B-AC10FD7573F9}" type="slidenum">
+            <a:fld id="{21E7A73F-71CC-B251-825F-8704E91174D2}" type="slidenum">
               <a:t/>
             </a:fld>
           </a:p>
@@ -1215,7 +1216,7 @@
             <a:spLocks noGrp="1" noChangeArrowheads="1"/>
             <a:extLst>
               <a:ext uri="smNativeData">
-                <pr:smNativeData xmlns:pr="smNativeData" val="SMDATA_13_5iCqYxMAAAAlAAAAZAAAAA8BAAAAkAAAAEgAAACQAAAASAAAAAAAAAABAAAAAAAAAAEAAABQAAAAAAAAAAAA4D8AAAAAAADgPwAAAAAAAOA/AAAAAAAA4D8AAAAAAADgPwAAAAAAAOA/AAAAAAAA4D8AAAAAAADgPwAAAAAAAOA/AAAAAAAA4D8CAAAAjAAAAAAAAAAAAAAAu+DjDP///wgAAAAAAAAAAAAAAAAAAAAAAAAAAAAAAAAAAAAAZAAAAAEAAABAAAAAAAAAAAAAAAAAAAAAAAAAAAAAAAAAAAAAAAAAAAAAAAAAAAAAAAAAAAAAAAAAAAAAAAAAAAAAAAAAAAAAAAAAAAAAAAAAAAAAAAAAAAAAAAAAAAAAFAAAADwAAAAAAAAAAAAAAAAAAAkUAAAAAQAAABQAAAAUAAAAFAAAAAEAAAAAAAAAZAAAAGQAAAAAAAAAZAAAAGQAAAAVAAAAYAAAAAAAAAAAAAAADwAAACADAAAAAAAAAAAAAAEAAACgMgAAVgcAAKr4//8BAAAAf39/AAEAAABkAAAAAAAAABQAAABAHwAAAAAAACYAAAAAAAAAwOD//wAAAAAmAAAAZAAAABYAAABMAAAAAAAAAAAAAAAEAAAAAAAAAAEAAACAgIAKAAAAACgAAAAoAAAAZAAAAGQAAAAAAAAAzMzMAAAAAABQAAAAUAAAAGQAAABkAAAAAAAAABcAAAAUAAAAAAAAAAAAAAD/fwAA/38AAAAAAAAJAAAABAAAAAMAhj4MAAAAEAAAAAAAAAAAAAAAAAAAAAAAAAAeAAAAaAAAAAAAAAAAAAAAAAAAAAAAAAAAAAAAECcAABAnAAAAAAAAAAAAAAAAAAAAAAAAAAAAAAAAAAAAAAAAAAAAABQAAAAAAAAAwMD/AAAAAABkAAAAMgAAAAAAAABkAAAAAAAAAH9/fwAKAAAAHwAAAFQAAAAAAAAFAAAAAQAAAAAAAAAAAAAAAAAAAAAAAAAAAAAAAAAAAAAAAAAAAAAAAn9/fwAAAAADzMzMAMDA/wB/f38AAAAAAAAAAAAAAAAAAAAAAAAAAAAhAAAAGAAAABQAAADQAgAAsAEAAHA1AAC4CAAAEAAAACYAAAAIAAAAAAAAAAAAAAA="/>
+                <pr:smNativeData xmlns:pr="smNativeData" val="SMDATA_13_cFGrYxMAAAAlAAAAZAAAAA8BAAAAkAAAAEgAAACQAAAASAAAAAAAAAABAAAAAAAAAAEAAABQAAAAAAAAAAAA4D8AAAAAAADgPwAAAAAAAOA/AAAAAAAA4D8AAAAAAADgPwAAAAAAAOA/AAAAAAAA4D8AAAAAAADgPwAAAAAAAOA/AAAAAAAA4D8CAAAAjAAAAAAAAAAAAAAAu+DjDP///wgAAAAAAAAAAAAAAAAAAAAAAAAAAAAAAAAAAAAAZAAAAAEAAABAAAAAAAAAAAAAAAAAAAAAAAAAAAAAAAAAAAAAAAAAAAAAAAAAAAAAAAAAAAAAAAAAAAAAAAAAAAAAAAAAAAAAAAAAAAAAAAAAAAAAAAAAAAAAAAAAAAAAFAAAADwAAAAAAAAAAAAAAAAAAAkUAAAAAQAAABQAAAAUAAAAFAAAAAEAAAAAAAAAZAAAAGQAAAAAAAAAZAAAAGQAAAAVAAAAYAAAAAAAAAAAAAAADwAAACADAAAAAAAAAAAAAAEAAACgMgAAVgcAAKr4//8BAAAAf39/AAEAAABkAAAAAAAAABQAAABAHwAAAAAAACYAAAAAAAAAwOD//wAAAAAmAAAAZAAAABYAAABMAAAAAAAAAAAAAAAEAAAAAAAAAAEAAACAgIAKAAAAACgAAAAoAAAAZAAAAGQAAAAAAAAAzMzMAAAAAABQAAAAUAAAAGQAAABkAAAAAAAAABcAAAAUAAAAAAAAAAAAAAD/fwAA/38AAAAAAAAJAAAABAAAAAMAhj4MAAAAEAAAAAAAAAAAAAAAAAAAAAAAAAAeAAAAaAAAAAAAAAAAAAAAAAAAAAAAAAAAAAAAECcAABAnAAAAAAAAAAAAAAAAAAAAAAAAAAAAAAAAAAAAAAAAAAAAABQAAAAAAAAAwMD/AAAAAABkAAAAMgAAAAAAAABkAAAAAAAAAH9/fwAKAAAAHwAAAFQAAAAAAAAFAAAAAQAAAAAAAAAAAAAAAAAAAAAAAAAAAAAAAAAAAAAAAAAAAAAAAn9/fwAAAAADzMzMAMDA/wB/f38AAAAAAAAAAAAAAAAAAAAAAAAAAAAhAAAAGAAAABQAAADQAgAAsAEAAHA1AAC4CAAAEAAAACYAAAAIAAAAAAAAAAAAAAA="/>
               </a:ext>
             </a:extLst>
           </p:cNvSpPr>
@@ -1242,7 +1243,7 @@
             <a:spLocks noGrp="1" noChangeArrowheads="1"/>
             <a:extLst>
               <a:ext uri="smNativeData">
-                <pr:smNativeData xmlns:pr="smNativeData" val="SMDATA_13_5iCqYxMAAAAlAAAAZAAAAA8BAAAAkAAAAEgAAACQAAAASAAAAAAAAAAAAAAAAAAAAAEAAABQAAAAAAAAAAAA4D8AAAAAAADgPwAAAAAAAOA/AAAAAAAA4D8AAAAAAADgPwAAAAAAAOA/AAAAAAAA4D8AAAAAAADgPwAAAAAAAOA/AAAAAAAA4D8CAAAAjAAAAAAAAAAAAAAAu+DjDP///wgAAAAAAAAAAAAAAAAAAAAAAAAAAAAAAAAAAAAAZAAAAAEAAABAAAAAAAAAAAAAAAAAAAAAAAAAAAAAAAAAAAAAAAAAAAAAAAAAAAAAAAAAAAAAAAAAAAAAAAAAAAAAAAAAAAAAAAAAAAAAAAAAAAAAAAAAAAAAAAAAAAAAFAAAADwAAAAAAAAAAAAAAAAAAAkUAAAAAQAAABQAAAAUAAAAFAAAAAEAAAAAAAAAZAAAAGQAAAAAAAAAZAAAAGQAAAAVAAAAYAAAAAAAAAAAAAAADwAAACADAAAAAAAAAAAAAAEAAACgMgAAVgcAAKr4//8BAAAAf39/AAEAAABkAAAAAAAAABQAAABAHwAAAAAAACYAAAAAAAAAwOD//wAAAAAmAAAAZAAAABYAAABMAAAAAAAAAAAAAAAEAAAAAAAAAAEAAACAgIAKAAAAACgAAAAoAAAAZAAAAGQAAAAAAAAAzMzMAAAAAABQAAAAUAAAAGQAAABkAAAAAAAAABcAAAAUAAAAAAAAAAAAAAD/fwAA/38AAAAAAAAJAAAABAAAAJJH8tUMAAAAEAAAAAAAAAAAAAAAAAAAAAAAAAAeAAAAaAAAAAAAAAAAAAAAAAAAAAAAAAAAAAAAECcAABAnAAAAAAAAAAAAAAAAAAAAAAAAAAAAAAAAAAAAAAAAAAAAABQAAAAAAAAAwMD/AAAAAABkAAAAMgAAAAAAAABkAAAAAAAAAH9/fwAKAAAAHwAAAFQAAAAAAAAFAAAAAQAAAAAAAAAAAAAAAAAAAAAAAAAAAAAAAAAAAAAAAAAAAAAAAn9/fwAAAAADzMzMAMDA/wB/f38AAAAAAAAAAAAAAAAAAAAAAAAAAAAhAAAAGAAAABQAAADQAgAA2AkAAKgbAACwJQAAEAAAACYAAAAIAAAAAYAAAAAAAAA="/>
+                <pr:smNativeData xmlns:pr="smNativeData" val="SMDATA_13_cFGrYxMAAAAlAAAAZAAAAA8BAAAAkAAAAEgAAACQAAAASAAAAAAAAAAAAAAAAAAAAAEAAABQAAAAAAAAAAAA4D8AAAAAAADgPwAAAAAAAOA/AAAAAAAA4D8AAAAAAADgPwAAAAAAAOA/AAAAAAAA4D8AAAAAAADgPwAAAAAAAOA/AAAAAAAA4D8CAAAAjAAAAAAAAAAAAAAAu+DjDP///wgAAAAAAAAAAAAAAAAAAAAAAAAAAAAAAAAAAAAAZAAAAAEAAABAAAAAAAAAAAAAAAAAAAAAAAAAAAAAAAAAAAAAAAAAAAAAAAAAAAAAAAAAAAAAAAAAAAAAAAAAAAAAAAAAAAAAAAAAAAAAAAAAAAAAAAAAAAAAAAAAAAAAFAAAADwAAAAAAAAAAAAAAAAAAAkUAAAAAQAAABQAAAAUAAAAFAAAAAEAAAAAAAAAZAAAAGQAAAAAAAAAZAAAAGQAAAAVAAAAYAAAAAAAAAAAAAAADwAAACADAAAAAAAAAAAAAAEAAACgMgAAVgcAAKr4//8BAAAAf39/AAEAAABkAAAAAAAAABQAAABAHwAAAAAAACYAAAAAAAAAwOD//wAAAAAmAAAAZAAAABYAAABMAAAAAAAAAAAAAAAEAAAAAAAAAAEAAACAgIAKAAAAACgAAAAoAAAAZAAAAGQAAAAAAAAAzMzMAAAAAABQAAAAUAAAAGQAAABkAAAAAAAAABcAAAAUAAAAAAAAAAAAAAD/fwAA/38AAAAAAAAJAAAABAAAAJJH8tUMAAAAEAAAAAAAAAAAAAAAAAAAAAAAAAAeAAAAaAAAAAAAAAAAAAAAAAAAAAAAAAAAAAAAECcAABAnAAAAAAAAAAAAAAAAAAAAAAAAAAAAAAAAAAAAAAAAAAAAABQAAAAAAAAAwMD/AAAAAABkAAAAMgAAAAAAAABkAAAAAAAAAH9/fwAKAAAAHwAAAFQAAAAAAAAFAAAAAQAAAAAAAAAAAAAAAAAAAAAAAAAAAAAAAAAAAAAAAAAAAAAAAn9/fwAAAAADzMzMAMDA/wB/f38AAAAAAAAAAAAAAAAAAAAAAAAAAAAhAAAAGAAAABQAAADQAgAA2AkAAKgbAACwJQAAEAAAACYAAAAIAAAAAYAAAAAAAAA="/>
               </a:ext>
             </a:extLst>
           </p:cNvSpPr>
@@ -1326,7 +1327,7 @@
             <a:spLocks noGrp="1" noChangeArrowheads="1"/>
             <a:extLst>
               <a:ext uri="smNativeData">
-                <pr:smNativeData xmlns:pr="smNativeData" val="SMDATA_13_5iCqYxMAAAAlAAAAZAAAAA8BAAAAkAAAAEgAAACQAAAASAAAAAAAAAAAAAAAAAAAAAEAAABQAAAAAAAAAAAA4D8AAAAAAADgPwAAAAAAAOA/AAAAAAAA4D8AAAAAAADgPwAAAAAAAOA/AAAAAAAA4D8AAAAAAADgPwAAAAAAAOA/AAAAAAAA4D8CAAAAjAAAAAAAAAAAAAAAu+DjDP///wgAAAAAAAAAAAAAAAAAAAAAAAAAAAAAAAAAAAAAZAAAAAEAAABAAAAAAAAAAAAAAAAAAAAAAAAAAAAAAAAAAAAAAAAAAAAAAAAAAAAAAAAAAAAAAAAAAAAAAAAAAAAAAAAAAAAAAAAAAAAAAAAAAAAAAAAAAAAAAAAAAAAAFAAAADwAAAAAAAAAAAAAAAAAAAkUAAAAAQAAABQAAAAUAAAAFAAAAAEAAAAAAAAAZAAAAGQAAAAAAAAAZAAAAGQAAAAVAAAAYAAAAAAAAAAAAAAADwAAACADAAAAAAAAAAAAAAEAAACgMgAAVgcAAKr4//8BAAAAf39/AAEAAABkAAAAAAAAABQAAABAHwAAAAAAACYAAAAAAAAAwOD//wAAAAAmAAAAZAAAABYAAABMAAAAAAAAAAAAAAAEAAAAAAAAAAEAAACAgIAKAAAAACgAAAAoAAAAZAAAAGQAAAAAAAAAzMzMAAAAAABQAAAAUAAAAGQAAABkAAAAAAAAABcAAAAUAAAAAAAAAAAAAAD/fwAA/38AAAAAAAAJAAAABAAAAO8vAwAMAAAAEAAAAAAAAAAAAAAAAAAAAAAAAAAeAAAAaAAAAAAAAAAAAAAAAAAAAAAAAAAAAAAAECcAABAnAAAAAAAAAAAAAAAAAAAAAAAAAAAAAAAAAAAAAAAAAAAAABQAAAAAAAAAwMD/AAAAAABkAAAAMgAAAAAAAABkAAAAAAAAAH9/fwAKAAAAHwAAAFQAAAAAAAAFAAAAAQAAAAAAAAAAAAAAAAAAAAAAAAAAAAAAAAAAAAAAAAAAAAAAAn9/fwAAAAADzMzMAMDA/wB/f38AAAAAAAAAAAAAAAAAAAAAAAAAAAAhAAAAGAAAABQAAACYHAAA2AkAAHA1AACwJQAAEAAAACYAAAAIAAAAAYAAAAAAAAA="/>
+                <pr:smNativeData xmlns:pr="smNativeData" val="SMDATA_13_cFGrYxMAAAAlAAAAZAAAAA8BAAAAkAAAAEgAAACQAAAASAAAAAAAAAAAAAAAAAAAAAEAAABQAAAAAAAAAAAA4D8AAAAAAADgPwAAAAAAAOA/AAAAAAAA4D8AAAAAAADgPwAAAAAAAOA/AAAAAAAA4D8AAAAAAADgPwAAAAAAAOA/AAAAAAAA4D8CAAAAjAAAAAAAAAAAAAAAu+DjDP///wgAAAAAAAAAAAAAAAAAAAAAAAAAAAAAAAAAAAAAZAAAAAEAAABAAAAAAAAAAAAAAAAAAAAAAAAAAAAAAAAAAAAAAAAAAAAAAAAAAAAAAAAAAAAAAAAAAAAAAAAAAAAAAAAAAAAAAAAAAAAAAAAAAAAAAAAAAAAAAAAAAAAAFAAAADwAAAAAAAAAAAAAAAAAAAkUAAAAAQAAABQAAAAUAAAAFAAAAAEAAAAAAAAAZAAAAGQAAAAAAAAAZAAAAGQAAAAVAAAAYAAAAAAAAAAAAAAADwAAACADAAAAAAAAAAAAAAEAAACgMgAAVgcAAKr4//8BAAAAf39/AAEAAABkAAAAAAAAABQAAABAHwAAAAAAACYAAAAAAAAAwOD//wAAAAAmAAAAZAAAABYAAABMAAAAAAAAAAAAAAAEAAAAAAAAAAEAAACAgIAKAAAAACgAAAAoAAAAZAAAAGQAAAAAAAAAzMzMAAAAAABQAAAAUAAAAGQAAABkAAAAAAAAABcAAAAUAAAAAAAAAAAAAAD/fwAA/38AAAAAAAAJAAAABAAAAO8vAwAMAAAAEAAAAAAAAAAAAAAAAAAAAAAAAAAeAAAAaAAAAAAAAAAAAAAAAAAAAAAAAAAAAAAAECcAABAnAAAAAAAAAAAAAAAAAAAAAAAAAAAAAAAAAAAAAAAAAAAAABQAAAAAAAAAwMD/AAAAAABkAAAAMgAAAAAAAABkAAAAAAAAAH9/fwAKAAAAHwAAAFQAAAAAAAAFAAAAAQAAAAAAAAAAAAAAAAAAAAAAAAAAAAAAAAAAAAAAAAAAAAAAAn9/fwAAAAADzMzMAMDA/wB/f38AAAAAAAAAAAAAAAAAAAAAAAAAAAAhAAAAGAAAABQAAACYHAAA2AkAAHA1AACwJQAAEAAAACYAAAAIAAAAAYAAAAAAAAA="/>
               </a:ext>
             </a:extLst>
           </p:cNvSpPr>
@@ -1410,7 +1411,7 @@
             <a:spLocks noGrp="1" noChangeArrowheads="1"/>
             <a:extLst>
               <a:ext uri="smNativeData">
-                <pr:smNativeData xmlns:pr="smNativeData" val="SMDATA_13_5iCqYxMAAAAlAAAAZAAAAA8BAAAAkAAAAEgAAACQAAAASAAAAAAAAAABAAAAAAAAAAEAAABQAAAAAAAAAAAA4D8AAAAAAADgPwAAAAAAAOA/AAAAAAAA4D8AAAAAAADgPwAAAAAAAOA/AAAAAAAA4D8AAAAAAADgPwAAAAAAAOA/AAAAAAAA4D8CAAAAjAAAAAAAAAAAAAAAu+DjDP///wgAAAAAAAAAAAAAAAAAAAAAAAAAAAAAAAAAAAAAZAAAAAEAAABAAAAAAAAAAAAAAAAAAAAAAAAAAAAAAAAAAAAAAAAAAAAAAAAAAAAAAAAAAAAAAAAAAAAAAAAAAAAAAAAAAAAAAAAAAAAAAAAAAAAAAAAAAAAAAAAAAAAAFAAAADwAAAAAAAAAAAAAAAAAAAkUAAAAAQAAABQAAAAUAAAAFAAAAAEAAAAAAAAAZAAAAGQAAAAAAAAAZAAAAGQAAAAVAAAAYAAAAAAAAAAAAAAADwAAACADAAAAAAAAAAAAAAEAAACgMgAAVgcAAKr4//8BAAAAf39/AAEAAABkAAAAAAAAABQAAABAHwAAAAAAACYAAAAAAAAAwOD//wAAAAAmAAAAZAAAABYAAABMAAAAAAAAAAAAAAAEAAAAAAAAAAEAAACAgIAKAAAAACgAAAAoAAAAZAAAAGQAAAAAAAAAzMzMAAAAAABQAAAAUAAAAGQAAABkAAAAAAAAABcAAAAUAAAAAAAAAAAAAAD/fwAA/38AAAAAAAAJAAAABAAAAAMAf0oMAAAAEAAAAAAAAAAAAAAAAAAAAAAAAAAeAAAAaAAAAAAAAAAAAAAAAAAAAAAAAAAAAAAAECcAABAnAAAAAAAAAAAAAAAAAAAAAAAAAAAAAAAAAAAAAAAAAAAAABQAAAAAAAAAwMD/AAAAAABkAAAAMgAAAAAAAABkAAAAAAAAAH9/fwAKAAAAHwAAAFQAAAAAAAAFAAAAAQAAAAAAAAAAAAAAAAAAAAAAAAAAAAAAAAAAAAAAAAAAAAAAAn9/fwAAAAADzMzMAMDA/wB/f38AAAAAAAAAAAAAAAAAAAAAAAAAAAAhAAAAGAAAABQAAADQAgAAGycAAPAPAABZKQAAEAAAACYAAAAIAAAAAAAAAAAAAAA="/>
+                <pr:smNativeData xmlns:pr="smNativeData" val="SMDATA_13_cFGrYxMAAAAlAAAAZAAAAA8BAAAAkAAAAEgAAACQAAAASAAAAAAAAAABAAAAAAAAAAEAAABQAAAAAAAAAAAA4D8AAAAAAADgPwAAAAAAAOA/AAAAAAAA4D8AAAAAAADgPwAAAAAAAOA/AAAAAAAA4D8AAAAAAADgPwAAAAAAAOA/AAAAAAAA4D8CAAAAjAAAAAAAAAAAAAAAu+DjDP///wgAAAAAAAAAAAAAAAAAAAAAAAAAAAAAAAAAAAAAZAAAAAEAAABAAAAAAAAAAAAAAAAAAAAAAAAAAAAAAAAAAAAAAAAAAAAAAAAAAAAAAAAAAAAAAAAAAAAAAAAAAAAAAAAAAAAAAAAAAAAAAAAAAAAAAAAAAAAAAAAAAAAAFAAAADwAAAAAAAAAAAAAAAAAAAkUAAAAAQAAABQAAAAUAAAAFAAAAAEAAAAAAAAAZAAAAGQAAAAAAAAAZAAAAGQAAAAVAAAAYAAAAAAAAAAAAAAADwAAACADAAAAAAAAAAAAAAEAAACgMgAAVgcAAKr4//8BAAAAf39/AAEAAABkAAAAAAAAABQAAABAHwAAAAAAACYAAAAAAAAAwOD//wAAAAAmAAAAZAAAABYAAABMAAAAAAAAAAAAAAAEAAAAAAAAAAEAAACAgIAKAAAAACgAAAAoAAAAZAAAAGQAAAAAAAAAzMzMAAAAAABQAAAAUAAAAGQAAABkAAAAAAAAABcAAAAUAAAAAAAAAAAAAAD/fwAA/38AAAAAAAAJAAAABAAAAAMAf0oMAAAAEAAAAAAAAAAAAAAAAAAAAAAAAAAeAAAAaAAAAAAAAAAAAAAAAAAAAAAAAAAAAAAAECcAABAnAAAAAAAAAAAAAAAAAAAAAAAAAAAAAAAAAAAAAAAAAAAAABQAAAAAAAAAwMD/AAAAAABkAAAAMgAAAAAAAABkAAAAAAAAAH9/fwAKAAAAHwAAAFQAAAAAAAAFAAAAAQAAAAAAAAAAAAAAAAAAAAAAAAAAAAAAAAAAAAAAAAAAAAAAAn9/fwAAAAADzMzMAMDA/wB/f38AAAAAAAAAAAAAAAAAAAAAAAAAAAAhAAAAGAAAABQAAADQAgAAGycAAPAPAABZKQAAEAAAACYAAAAIAAAAAAAAAAAAAAA="/>
               </a:ext>
             </a:extLst>
           </p:cNvSpPr>
@@ -1424,7 +1425,7 @@
           <a:lstStyle/>
           <a:p>
             <a:pPr/>
-            <a:fld id="{2683EF94-DACB-D619-853B-2C4CA1757379}" type="datetime1">
+            <a:fld id="{21E7E362-2CCC-B215-825F-DA40AD11748F}" type="datetime1">
               <a:t/>
             </a:fld>
           </a:p>
@@ -1437,7 +1438,7 @@
             <a:spLocks noGrp="1" noChangeArrowheads="1"/>
             <a:extLst>
               <a:ext uri="smNativeData">
-                <pr:smNativeData xmlns:pr="smNativeData" val="SMDATA_13_5iCqYxMAAAAlAAAAZAAAAA8BAAAAkAAAAEgAAACQAAAASAAAAAAAAAABAAAAAAAAAAEAAABQAAAAAAAAAAAA4D8AAAAAAADgPwAAAAAAAOA/AAAAAAAA4D8AAAAAAADgPwAAAAAAAOA/AAAAAAAA4D8AAAAAAADgPwAAAAAAAOA/AAAAAAAA4D8CAAAAjAAAAAAAAAAAAAAAu+DjDP///wgAAAAAAAAAAAAAAAAAAAAAAAAAAAAAAAAAAAAAZAAAAAEAAABAAAAAAAAAAAAAAAAAAAAAAAAAAAAAAAAAAAAAAAAAAAAAAAAAAAAAAAAAAAAAAAAAAAAAAAAAAAAAAAAAAAAAAAAAAAAAAAAAAAAAAAAAAAAAAAAAAAAAFAAAADwAAAAAAAAAAAAAAAAAAAkUAAAAAQAAABQAAAAUAAAAFAAAAAEAAAAAAAAAZAAAAGQAAAAAAAAAZAAAAGQAAAAVAAAAYAAAAAAAAAAAAAAADwAAACADAAAAAAAAAAAAAAEAAACgMgAAVgcAAKr4//8BAAAAf39/AAEAAABkAAAAAAAAABQAAABAHwAAAAAAACYAAAAAAAAAwOD//wAAAAAmAAAAZAAAABYAAABMAAAAAAAAAAAAAAAEAAAAAAAAAAEAAACAgIAKAAAAACgAAAAoAAAAZAAAAGQAAAAAAAAAzMzMAAAAAABQAAAAUAAAAGQAAABkAAAAAAAAABcAAAAUAAAAAAAAAAAAAAD/fwAA/38AAAAAAAAJAAAABAAAABMRBAAMAAAAEAAAAAAAAAAAAAAAAAAAAAAAAAAeAAAAaAAAAAAAAAAAAAAAAAAAAAAAAAAAAAAAECcAABAnAAAAAAAAAAAAAAAAAAAAAAAAAAAAAAAAAAAAAAAAAAAAABQAAAAAAAAAwMD/AAAAAABkAAAAMgAAAAAAAABkAAAAAAAAAH9/fwAKAAAAHwAAAFQAAAAAAAAFAAAAAQAAAAAAAAAAAAAAAAAAAAAAAAAAAAAAAAAAAAAAAAAAAAAAAn9/fwAAAAADzMzMAMDA/wB/f38AAAAAAAAAAAAAAAAAAAAAAAAAAAAhAAAAGAAAABQAAAA4EwAAGycAAAglAABZKQAAEAAAACYAAAAIAAAAAAAAAAAAAAA="/>
+                <pr:smNativeData xmlns:pr="smNativeData" val="SMDATA_13_cFGrYxMAAAAlAAAAZAAAAA8BAAAAkAAAAEgAAACQAAAASAAAAAAAAAABAAAAAAAAAAEAAABQAAAAAAAAAAAA4D8AAAAAAADgPwAAAAAAAOA/AAAAAAAA4D8AAAAAAADgPwAAAAAAAOA/AAAAAAAA4D8AAAAAAADgPwAAAAAAAOA/AAAAAAAA4D8CAAAAjAAAAAAAAAAAAAAAu+DjDP///wgAAAAAAAAAAAAAAAAAAAAAAAAAAAAAAAAAAAAAZAAAAAEAAABAAAAAAAAAAAAAAAAAAAAAAAAAAAAAAAAAAAAAAAAAAAAAAAAAAAAAAAAAAAAAAAAAAAAAAAAAAAAAAAAAAAAAAAAAAAAAAAAAAAAAAAAAAAAAAAAAAAAAFAAAADwAAAAAAAAAAAAAAAAAAAkUAAAAAQAAABQAAAAUAAAAFAAAAAEAAAAAAAAAZAAAAGQAAAAAAAAAZAAAAGQAAAAVAAAAYAAAAAAAAAAAAAAADwAAACADAAAAAAAAAAAAAAEAAACgMgAAVgcAAKr4//8BAAAAf39/AAEAAABkAAAAAAAAABQAAABAHwAAAAAAACYAAAAAAAAAwOD//wAAAAAmAAAAZAAAABYAAABMAAAAAAAAAAAAAAAEAAAAAAAAAAEAAACAgIAKAAAAACgAAAAoAAAAZAAAAGQAAAAAAAAAzMzMAAAAAABQAAAAUAAAAGQAAABkAAAAAAAAABcAAAAUAAAAAAAAAAAAAAD/fwAA/38AAAAAAAAJAAAABAAAABMRBAAMAAAAEAAAAAAAAAAAAAAAAAAAAAAAAAAeAAAAaAAAAAAAAAAAAAAAAAAAAAAAAAAAAAAAECcAABAnAAAAAAAAAAAAAAAAAAAAAAAAAAAAAAAAAAAAAAAAAAAAABQAAAAAAAAAwMD/AAAAAABkAAAAMgAAAAAAAABkAAAAAAAAAH9/fwAKAAAAHwAAAFQAAAAAAAAFAAAAAQAAAAAAAAAAAAAAAAAAAAAAAAAAAAAAAAAAAAAAAAAAAAAAAn9/fwAAAAADzMzMAMDA/wB/f38AAAAAAAAAAAAAAAAAAAAAAAAAAAAhAAAAGAAAABQAAAA4EwAAGycAAAglAABZKQAAEAAAACYAAAAIAAAAAAAAAAAAAAA="/>
               </a:ext>
             </a:extLst>
           </p:cNvSpPr>
@@ -1461,7 +1462,7 @@
             <a:spLocks noGrp="1" noChangeArrowheads="1"/>
             <a:extLst>
               <a:ext uri="smNativeData">
-                <pr:smNativeData xmlns:pr="smNativeData" val="SMDATA_13_5iCqYxMAAAAlAAAAZAAAAA8BAAAAkAAAAEgAAACQAAAASAAAAAAAAAABAAAAAAAAAAEAAABQAAAAAAAAAAAA4D8AAAAAAADgPwAAAAAAAOA/AAAAAAAA4D8AAAAAAADgPwAAAAAAAOA/AAAAAAAA4D8AAAAAAADgPwAAAAAAAOA/AAAAAAAA4D8CAAAAjAAAAAAAAAAAAAAAu+DjDP///wgAAAAAAAAAAAAAAAAAAAAAAAAAAAAAAAAAAAAAZAAAAAEAAABAAAAAAAAAAAAAAAAAAAAAAAAAAAAAAAAAAAAAAAAAAAAAAAAAAAAAAAAAAAAAAAAAAAAAAAAAAAAAAAAAAAAAAAAAAAAAAAAAAAAAAAAAAAAAAAAAAAAAFAAAADwAAAAAAAAAAAAAAAAAAAkUAAAAAQAAABQAAAAUAAAAFAAAAAEAAAAAAAAAZAAAAGQAAAAAAAAAZAAAAGQAAAAVAAAAYAAAAAAAAAAAAAAADwAAACADAAAAAAAAAAAAAAEAAACgMgAAVgcAAKr4//8BAAAAf39/AAEAAABkAAAAAAAAABQAAABAHwAAAAAAACYAAAAAAAAAwOD//wAAAAAmAAAAZAAAABYAAABMAAAAAAAAAAAAAAAEAAAAAAAAAAEAAACAgIAKAAAAACgAAAAoAAAAZAAAAGQAAAAAAAAAzMzMAAAAAABQAAAAUAAAAGQAAABkAAAAAAAAABcAAAAUAAAAAAAAAAAAAAD/fwAA/38AAAAAAAAJAAAABAAAAL5dAwAMAAAAEAAAAAAAAAAAAAAAAAAAAAAAAAAeAAAAaAAAAAAAAAAAAAAAAAAAAAAAAAAAAAAAECcAABAnAAAAAAAAAAAAAAAAAAAAAAAAAAAAAAAAAAAAAAAAAAAAABQAAAAAAAAAwMD/AAAAAABkAAAAMgAAAAAAAABkAAAAAAAAAH9/fwAKAAAAHwAAAFQAAAAAAAAFAAAAAQAAAAAAAAAAAAAAAAAAAAAAAAAAAAAAAAAAAAAAAAAAAAAAAn9/fwAAAAADzMzMAMDA/wB/f38AAAAAAAAAAAAAAAAAAAAAAAAAAAAhAAAAGAAAABQAAABQKAAAGycAAHA1AABZKQAAEAAAACYAAAAIAAAAAAAAAAAAAAA="/>
+                <pr:smNativeData xmlns:pr="smNativeData" val="SMDATA_13_cFGrYxMAAAAlAAAAZAAAAA8BAAAAkAAAAEgAAACQAAAASAAAAAAAAAABAAAAAAAAAAEAAABQAAAAAAAAAAAA4D8AAAAAAADgPwAAAAAAAOA/AAAAAAAA4D8AAAAAAADgPwAAAAAAAOA/AAAAAAAA4D8AAAAAAADgPwAAAAAAAOA/AAAAAAAA4D8CAAAAjAAAAAAAAAAAAAAAu+DjDP///wgAAAAAAAAAAAAAAAAAAAAAAAAAAAAAAAAAAAAAZAAAAAEAAABAAAAAAAAAAAAAAAAAAAAAAAAAAAAAAAAAAAAAAAAAAAAAAAAAAAAAAAAAAAAAAAAAAAAAAAAAAAAAAAAAAAAAAAAAAAAAAAAAAAAAAAAAAAAAAAAAAAAAFAAAADwAAAAAAAAAAAAAAAAAAAkUAAAAAQAAABQAAAAUAAAAFAAAAAEAAAAAAAAAZAAAAGQAAAAAAAAAZAAAAGQAAAAVAAAAYAAAAAAAAAAAAAAADwAAACADAAAAAAAAAAAAAAEAAACgMgAAVgcAAKr4//8BAAAAf39/AAEAAABkAAAAAAAAABQAAABAHwAAAAAAACYAAAAAAAAAwOD//wAAAAAmAAAAZAAAABYAAABMAAAAAAAAAAAAAAAEAAAAAAAAAAEAAACAgIAKAAAAACgAAAAoAAAAZAAAAGQAAAAAAAAAzMzMAAAAAABQAAAAUAAAAGQAAABkAAAAAAAAABcAAAAUAAAAAAAAAAAAAAD/fwAA/38AAAAAAAAJAAAABAAAAL5dAwAMAAAAEAAAAAAAAAAAAAAAAAAAAAAAAAAeAAAAaAAAAAAAAAAAAAAAAAAAAAAAAAAAAAAAECcAABAnAAAAAAAAAAAAAAAAAAAAAAAAAAAAAAAAAAAAAAAAAAAAABQAAAAAAAAAwMD/AAAAAABkAAAAMgAAAAAAAABkAAAAAAAAAH9/fwAKAAAAHwAAAFQAAAAAAAAFAAAAAQAAAAAAAAAAAAAAAAAAAAAAAAAAAAAAAAAAAAAAAAAAAAAAAn9/fwAAAAADzMzMAMDA/wB/f38AAAAAAAAAAAAAAAAAAAAAAAAAAAAhAAAAGAAAABQAAABQKAAAGycAAHA1AABZKQAAEAAAACYAAAAIAAAAAAAAAAAAAAA="/>
               </a:ext>
             </a:extLst>
           </p:cNvSpPr>
@@ -1475,7 +1476,7 @@
           <a:lstStyle/>
           <a:p>
             <a:pPr/>
-            <a:fld id="{2683B8AE-E0CB-D64E-853B-161BF6757343}" type="slidenum">
+            <a:fld id="{21E7FBFB-B5CC-B20D-825F-4358B5117416}" type="slidenum">
               <a:t/>
             </a:fld>
           </a:p>
@@ -1513,7 +1514,7 @@
             <a:spLocks noGrp="1" noChangeArrowheads="1"/>
             <a:extLst>
               <a:ext uri="smNativeData">
-                <pr:smNativeData xmlns:pr="smNativeData" val="SMDATA_13_5iCqYxMAAAAlAAAAZAAAAA8BAAAAkAAAAEgAAACQAAAASAAAAAAAAAABAAAAAAAAAAEAAABQAAAAAAAAAAAA4D8AAAAAAADgPwAAAAAAAOA/AAAAAAAA4D8AAAAAAADgPwAAAAAAAOA/AAAAAAAA4D8AAAAAAADgPwAAAAAAAOA/AAAAAAAA4D8CAAAAjAAAAAAAAAAAAAAAu+DjDP///wgAAAAAAAAAAAAAAAAAAAAAAAAAAAAAAAAAAAAAZAAAAAEAAABAAAAAAAAAAAAAAAAAAAAAAAAAAAAAAAAAAAAAAAAAAAAAAAAAAAAAAAAAAAAAAAAAAAAAAAAAAAAAAAAAAAAAAAAAAAAAAAAAAAAAAAAAAAAAAAAAAAAAFAAAADwAAAAAAAAAAAAAAAAAAAkUAAAAAQAAABQAAAAUAAAAFAAAAAEAAAAAAAAAZAAAAGQAAAAAAAAAZAAAAGQAAAAVAAAAYAAAAAAAAAAAAAAADwAAACADAAAAAAAAAAAAAAEAAACgMgAAVgcAAKr4//8BAAAAf39/AAEAAABkAAAAAAAAABQAAABAHwAAAAAAACYAAAAAAAAAwOD//wAAAAAmAAAAZAAAABYAAABMAAAAAAAAAAAAAAAEAAAAAAAAAAEAAACAgIAKAAAAACgAAAAoAAAAZAAAAGQAAAAAAAAAzMzMAAAAAABQAAAAUAAAAGQAAABkAAAAAAAAABcAAAAUAAAAAAAAAAAAAAD/fwAA/38AAAAAAAAJAAAABAAAAAQAxWgMAAAAEAAAAAAAAAAAAAAAAAAAAAAAAAAeAAAAaAAAAAAAAAAAAAAAAAAAAAAAAAAAAAAAECcAABAnAAAAAAAAAAAAAAAAAAAAAAAAAAAAAAAAAAAAAAAAAAAAABQAAAAAAAAAwMD/AAAAAABkAAAAMgAAAAAAAABkAAAAAAAAAH9/fwAKAAAAHwAAAFQAAAAAAAAFAAAAAQAAAAAAAAAAAAAAAAAAAAAAAAAAAAAAAAAAAAAAAAAAAAAAAn9/fwAAAAADzMzMAMDA/wB/f38AAAAAAAAAAAAAAAAAAAAAAAAAAAAhAAAAGAAAABQAAADQAgAAsAEAAHA1AAC4CAAAEAAAACYAAAAIAAAAAAAAAAAAAAA="/>
+                <pr:smNativeData xmlns:pr="smNativeData" val="SMDATA_13_cFGrYxMAAAAlAAAAZAAAAA8BAAAAkAAAAEgAAACQAAAASAAAAAAAAAABAAAAAAAAAAEAAABQAAAAAAAAAAAA4D8AAAAAAADgPwAAAAAAAOA/AAAAAAAA4D8AAAAAAADgPwAAAAAAAOA/AAAAAAAA4D8AAAAAAADgPwAAAAAAAOA/AAAAAAAA4D8CAAAAjAAAAAAAAAAAAAAAu+DjDP///wgAAAAAAAAAAAAAAAAAAAAAAAAAAAAAAAAAAAAAZAAAAAEAAABAAAAAAAAAAAAAAAAAAAAAAAAAAAAAAAAAAAAAAAAAAAAAAAAAAAAAAAAAAAAAAAAAAAAAAAAAAAAAAAAAAAAAAAAAAAAAAAAAAAAAAAAAAAAAAAAAAAAAFAAAADwAAAAAAAAAAAAAAAAAAAkUAAAAAQAAABQAAAAUAAAAFAAAAAEAAAAAAAAAZAAAAGQAAAAAAAAAZAAAAGQAAAAVAAAAYAAAAAAAAAAAAAAADwAAACADAAAAAAAAAAAAAAEAAACgMgAAVgcAAKr4//8BAAAAf39/AAEAAABkAAAAAAAAABQAAABAHwAAAAAAACYAAAAAAAAAwOD//wAAAAAmAAAAZAAAABYAAABMAAAAAAAAAAAAAAAEAAAAAAAAAAEAAACAgIAKAAAAACgAAAAoAAAAZAAAAGQAAAAAAAAAzMzMAAAAAABQAAAAUAAAAGQAAABkAAAAAAAAABcAAAAUAAAAAAAAAAAAAAD/fwAA/38AAAAAAAAJAAAABAAAAAQAxWgMAAAAEAAAAAAAAAAAAAAAAAAAAAAAAAAeAAAAaAAAAAAAAAAAAAAAAAAAAAAAAAAAAAAAECcAABAnAAAAAAAAAAAAAAAAAAAAAAAAAAAAAAAAAAAAAAAAAAAAABQAAAAAAAAAwMD/AAAAAABkAAAAMgAAAAAAAABkAAAAAAAAAH9/fwAKAAAAHwAAAFQAAAAAAAAFAAAAAQAAAAAAAAAAAAAAAAAAAAAAAAAAAAAAAAAAAAAAAAAAAAAAAn9/fwAAAAADzMzMAMDA/wB/f38AAAAAAAAAAAAAAAAAAAAAAAAAAAAhAAAAGAAAABQAAADQAgAAsAEAAHA1AAC4CAAAEAAAACYAAAAIAAAAAAAAAAAAAAA="/>
               </a:ext>
             </a:extLst>
           </p:cNvSpPr>
@@ -1540,7 +1541,7 @@
             <a:spLocks noGrp="1" noChangeArrowheads="1"/>
             <a:extLst>
               <a:ext uri="smNativeData">
-                <pr:smNativeData xmlns:pr="smNativeData" val="SMDATA_13_5iCqYxMAAAAlAAAAZAAAAA8BAAAAkAAAAEgAAACQAAAASAAAAAAAAAACAAAAAAAAAAEAAABQAAAAAAAAAAAA4D8AAAAAAADgPwAAAAAAAOA/AAAAAAAA4D8AAAAAAADgPwAAAAAAAOA/AAAAAAAA4D8AAAAAAADgPwAAAAAAAOA/AAAAAAAA4D8CAAAAjAAAAAAAAAAAAAAAu+DjDP///wgAAAAAAAAAAAAAAAAAAAAAAAAAAAAAAAAAAAAAZAAAAAEAAABAAAAAAAAAAAAAAAAAAAAAAAAAAAAAAAAAAAAAAAAAAAAAAAAAAAAAAAAAAAAAAAAAAAAAAAAAAAAAAAAAAAAAAAAAAAAAAAAAAAAAAAAAAAAAAAAAAAAAFAAAADwAAAAAAAAAAAAAAAAAAAkUAAAAAQAAABQAAAAUAAAAFAAAAAEAAAAAAAAAZAAAAGQAAAAAAAAAZAAAAGQAAAAVAAAAYAAAAAAAAAAAAAAADwAAACADAAAAAAAAAAAAAAEAAACgMgAAVgcAAKr4//8BAAAAf39/AAEAAABkAAAAAAAAABQAAABAHwAAAAAAACYAAAAAAAAAwOD//wAAAAAmAAAAZAAAABYAAABMAAAAAAAAAAAAAAAEAAAAAAAAAAEAAACAgIAKAAAAACgAAAAoAAAAZAAAAGQAAAAAAAAAzMzMAAAAAABQAAAAUAAAAGQAAABkAAAAAAAAABcAAAAUAAAAAAAAAAAAAAD/fwAA/38AAAAAAAAJAAAABAAAAAMAbkEMAAAAEAAAAAAAAAAAAAAAAAAAAAAAAAAeAAAAaAAAAAAAAAAAAAAAAAAAAAAAAAAAAAAAECcAABAnAAAAAAAAAAAAAAAAAAAAAAAAAAAAAAAAAAAAAAAAAAAAABQAAAAAAAAAwMD/AAAAAABkAAAAMgAAAAAAAABkAAAAAAAAAH9/fwAKAAAAHwAAAFQAAAAAAAAFAAAAAQAAAAAAAAAAAAAAAAAAAAAAAAAAAAAAAAAAAAAAAAAAAAAAAn9/fwAAAAADzMzMAMDA/wB/f38AAAAAAAAAAAAAAAAAAAAAAAAAAAAhAAAAGAAAABQAAADQAgAAcQkAAKobAABhDQAAEAAAACYAAAAIAAAAgYAAAAAAAAA="/>
+                <pr:smNativeData xmlns:pr="smNativeData" val="SMDATA_13_cFGrYxMAAAAlAAAAZAAAAA8BAAAAkAAAAEgAAACQAAAASAAAAAAAAAACAAAAAAAAAAEAAABQAAAAAAAAAAAA4D8AAAAAAADgPwAAAAAAAOA/AAAAAAAA4D8AAAAAAADgPwAAAAAAAOA/AAAAAAAA4D8AAAAAAADgPwAAAAAAAOA/AAAAAAAA4D8CAAAAjAAAAAAAAAAAAAAAu+DjDP///wgAAAAAAAAAAAAAAAAAAAAAAAAAAAAAAAAAAAAAZAAAAAEAAABAAAAAAAAAAAAAAAAAAAAAAAAAAAAAAAAAAAAAAAAAAAAAAAAAAAAAAAAAAAAAAAAAAAAAAAAAAAAAAAAAAAAAAAAAAAAAAAAAAAAAAAAAAAAAAAAAAAAAFAAAADwAAAAAAAAAAAAAAAAAAAkUAAAAAQAAABQAAAAUAAAAFAAAAAEAAAAAAAAAZAAAAGQAAAAAAAAAZAAAAGQAAAAVAAAAYAAAAAAAAAAAAAAADwAAACADAAAAAAAAAAAAAAEAAACgMgAAVgcAAKr4//8BAAAAf39/AAEAAABkAAAAAAAAABQAAABAHwAAAAAAACYAAAAAAAAAwOD//wAAAAAmAAAAZAAAABYAAABMAAAAAAAAAAAAAAAEAAAAAAAAAAEAAACAgIAKAAAAACgAAAAoAAAAZAAAAGQAAAAAAAAAzMzMAAAAAABQAAAAUAAAAGQAAABkAAAAAAAAABcAAAAUAAAAAAAAAAAAAAD/fwAA/38AAAAAAAAJAAAABAAAAAMAbkEMAAAAEAAAAAAAAAAAAAAAAAAAAAAAAAAeAAAAaAAAAAAAAAAAAAAAAAAAAAAAAAAAAAAAECcAABAnAAAAAAAAAAAAAAAAAAAAAAAAAAAAAAAAAAAAAAAAAAAAABQAAAAAAAAAwMD/AAAAAABkAAAAMgAAAAAAAABkAAAAAAAAAH9/fwAKAAAAHwAAAFQAAAAAAAAFAAAAAQAAAAAAAAAAAAAAAAAAAAAAAAAAAAAAAAAAAAAAAAAAAAAAAn9/fwAAAAADzMzMAMDA/wB/f38AAAAAAAAAAAAAAAAAAAAAAAAAAAAhAAAAGAAAABQAAADQAgAAcQkAAKobAABhDQAAEAAAACYAAAAIAAAAgYAAAAAAAAA="/>
               </a:ext>
             </a:extLst>
           </p:cNvSpPr>
@@ -1613,7 +1614,7 @@
             <a:spLocks noGrp="1" noChangeArrowheads="1"/>
             <a:extLst>
               <a:ext uri="smNativeData">
-                <pr:smNativeData xmlns:pr="smNativeData" val="SMDATA_13_5iCqYxMAAAAlAAAAZAAAAA8BAAAAkAAAAEgAAACQAAAASAAAAAAAAAAAAAAAAAAAAAEAAABQAAAAAAAAAAAA4D8AAAAAAADgPwAAAAAAAOA/AAAAAAAA4D8AAAAAAADgPwAAAAAAAOA/AAAAAAAA4D8AAAAAAADgPwAAAAAAAOA/AAAAAAAA4D8CAAAAjAAAAAAAAAAAAAAAu+DjDP///wgAAAAAAAAAAAAAAAAAAAAAAAAAAAAAAAAAAAAAZAAAAAEAAABAAAAAAAAAAAAAAAAAAAAAAAAAAAAAAAAAAAAAAAAAAAAAAAAAAAAAAAAAAAAAAAAAAAAAAAAAAAAAAAAAAAAAAAAAAAAAAAAAAAAAAAAAAAAAAAAAAAAAFAAAADwAAAAAAAAAAAAAAAAAAAkUAAAAAQAAABQAAAAUAAAAFAAAAAEAAAAAAAAAZAAAAGQAAAAAAAAAZAAAAGQAAAAVAAAAYAAAAAAAAAAAAAAADwAAACADAAAAAAAAAAAAAAEAAACgMgAAVgcAAKr4//8BAAAAf39/AAEAAABkAAAAAAAAABQAAABAHwAAAAAAACYAAAAAAAAAwOD//wAAAAAmAAAAZAAAABYAAABMAAAAAAAAAAAAAAAEAAAAAAAAAAEAAACAgIAKAAAAACgAAAAoAAAAZAAAAGQAAAAAAAAAzMzMAAAAAABQAAAAUAAAAGQAAABkAAAAAAAAABcAAAAUAAAAAAAAAAAAAAD/fwAA/38AAAAAAAAJAAAABAAAAAMAhUEMAAAAEAAAAAAAAAAAAAAAAAAAAAAAAAAeAAAAaAAAAAAAAAAAAAAAAAAAAAAAAAAAAAAAECcAABAnAAAAAAAAAAAAAAAAAAAAAAAAAAAAAAAAAAAAAAAAAAAAABQAAAAAAAAAwMD/AAAAAABkAAAAMgAAAAAAAABkAAAAAAAAAH9/fwAKAAAAHwAAAFQAAAAAAAAFAAAAAQAAAAAAAAAAAAAAAAAAAAAAAAAAAAAAAAAAAAAAAAAAAAAAAn9/fwAAAAADzMzMAMDA/wB/f38AAAAAAAAAAAAAAAAAAAAAAAAAAAAhAAAAGAAAABQAAADQAgAAYQ0AAKobAACwJQAAEAAAACYAAAAIAAAAAYAAAAAAAAA="/>
+                <pr:smNativeData xmlns:pr="smNativeData" val="SMDATA_13_cFGrYxMAAAAlAAAAZAAAAA8BAAAAkAAAAEgAAACQAAAASAAAAAAAAAAAAAAAAAAAAAEAAABQAAAAAAAAAAAA4D8AAAAAAADgPwAAAAAAAOA/AAAAAAAA4D8AAAAAAADgPwAAAAAAAOA/AAAAAAAA4D8AAAAAAADgPwAAAAAAAOA/AAAAAAAA4D8CAAAAjAAAAAAAAAAAAAAAu+DjDP///wgAAAAAAAAAAAAAAAAAAAAAAAAAAAAAAAAAAAAAZAAAAAEAAABAAAAAAAAAAAAAAAAAAAAAAAAAAAAAAAAAAAAAAAAAAAAAAAAAAAAAAAAAAAAAAAAAAAAAAAAAAAAAAAAAAAAAAAAAAAAAAAAAAAAAAAAAAAAAAAAAAAAAFAAAADwAAAAAAAAAAAAAAAAAAAkUAAAAAQAAABQAAAAUAAAAFAAAAAEAAAAAAAAAZAAAAGQAAAAAAAAAZAAAAGQAAAAVAAAAYAAAAAAAAAAAAAAADwAAACADAAAAAAAAAAAAAAEAAACgMgAAVgcAAKr4//8BAAAAf39/AAEAAABkAAAAAAAAABQAAABAHwAAAAAAACYAAAAAAAAAwOD//wAAAAAmAAAAZAAAABYAAABMAAAAAAAAAAAAAAAEAAAAAAAAAAEAAACAgIAKAAAAACgAAAAoAAAAZAAAAGQAAAAAAAAAzMzMAAAAAABQAAAAUAAAAGQAAABkAAAAAAAAABcAAAAUAAAAAAAAAAAAAAD/fwAA/38AAAAAAAAJAAAABAAAAAMAhUEMAAAAEAAAAAAAAAAAAAAAAAAAAAAAAAAeAAAAaAAAAAAAAAAAAAAAAAAAAAAAAAAAAAAAECcAABAnAAAAAAAAAAAAAAAAAAAAAAAAAAAAAAAAAAAAAAAAAAAAABQAAAAAAAAAwMD/AAAAAABkAAAAMgAAAAAAAABkAAAAAAAAAH9/fwAKAAAAHwAAAFQAAAAAAAAFAAAAAQAAAAAAAAAAAAAAAAAAAAAAAAAAAAAAAAAAAAAAAAAAAAAAAn9/fwAAAAADzMzMAMDA/wB/f38AAAAAAAAAAAAAAAAAAAAAAAAAAAAhAAAAGAAAABQAAADQAgAAYQ0AAKobAACwJQAAEAAAACYAAAAIAAAAAYAAAAAAAAA="/>
               </a:ext>
             </a:extLst>
           </p:cNvSpPr>
@@ -1697,7 +1698,7 @@
             <a:spLocks noGrp="1" noChangeArrowheads="1"/>
             <a:extLst>
               <a:ext uri="smNativeData">
-                <pr:smNativeData xmlns:pr="smNativeData" val="SMDATA_13_5iCqYxMAAAAlAAAAZAAAAA8BAAAAkAAAAEgAAACQAAAASAAAAAAAAAACAAAAAAAAAAEAAABQAAAAAAAAAAAA4D8AAAAAAADgPwAAAAAAAOA/AAAAAAAA4D8AAAAAAADgPwAAAAAAAOA/AAAAAAAA4D8AAAAAAADgPwAAAAAAAOA/AAAAAAAA4D8CAAAAjAAAAAAAAAAAAAAAu+DjDP///wgAAAAAAAAAAAAAAAAAAAAAAAAAAAAAAAAAAAAAZAAAAAEAAABAAAAAAAAAAAAAAAAAAAAAAAAAAAAAAAAAAAAAAAAAAAAAAAAAAAAAAAAAAAAAAAAAAAAAAAAAAAAAAAAAAAAAAAAAAAAAAAAAAAAAAAAAAAAAAAAAAAAAFAAAADwAAAAAAAAAAAAAAAAAAAkUAAAAAQAAABQAAAAUAAAAFAAAAAEAAAAAAAAAZAAAAGQAAAAAAAAAZAAAAGQAAAAVAAAAYAAAAAAAAAAAAAAADwAAACADAAAAAAAAAAAAAAEAAACgMgAAVgcAAKr4//8BAAAAf39/AAEAAABkAAAAAAAAABQAAABAHwAAAAAAACYAAAAAAAAAwOD//wAAAAAmAAAAZAAAABYAAABMAAAAAAAAAAAAAAAEAAAAAAAAAAEAAACAgIAKAAAAACgAAAAoAAAAZAAAAGQAAAAAAAAAzMzMAAAAAABQAAAAUAAAAGQAAABkAAAAAAAAABcAAAAUAAAAAAAAAAAAAAD/fwAA/38AAAAAAAAJAAAABAAAAOOYAwAMAAAAEAAAAAAAAAAAAAAAAAAAAAAAAAAeAAAAaAAAAAAAAAAAAAAAAAAAAAAAAAAAAAAAECcAABAnAAAAAAAAAAAAAAAAAAAAAAAAAAAAAAAAAAAAAAAAAAAAABQAAAAAAAAAwMD/AAAAAABkAAAAMgAAAAAAAABkAAAAAAAAAH9/fwAKAAAAHwAAAFQAAAAAAAAFAAAAAQAAAAAAAAAAAAAAAAAAAAAAAAAAAAAAAAAAAAAAAAAAAAAAAn9/fwAAAAADzMzMAMDA/wB/f38AAAAAAAAAAAAAAAAAAAAAAAAAAAAhAAAAGAAAABQAAACWHAAAcQkAAHA1AABhDQAAEAAAACYAAAAIAAAAgYAAAAAAAAA="/>
+                <pr:smNativeData xmlns:pr="smNativeData" val="SMDATA_13_cFGrYxMAAAAlAAAAZAAAAA8BAAAAkAAAAEgAAACQAAAASAAAAAAAAAACAAAAAAAAAAEAAABQAAAAAAAAAAAA4D8AAAAAAADgPwAAAAAAAOA/AAAAAAAA4D8AAAAAAADgPwAAAAAAAOA/AAAAAAAA4D8AAAAAAADgPwAAAAAAAOA/AAAAAAAA4D8CAAAAjAAAAAAAAAAAAAAAu+DjDP///wgAAAAAAAAAAAAAAAAAAAAAAAAAAAAAAAAAAAAAZAAAAAEAAABAAAAAAAAAAAAAAAAAAAAAAAAAAAAAAAAAAAAAAAAAAAAAAAAAAAAAAAAAAAAAAAAAAAAAAAAAAAAAAAAAAAAAAAAAAAAAAAAAAAAAAAAAAAAAAAAAAAAAFAAAADwAAAAAAAAAAAAAAAAAAAkUAAAAAQAAABQAAAAUAAAAFAAAAAEAAAAAAAAAZAAAAGQAAAAAAAAAZAAAAGQAAAAVAAAAYAAAAAAAAAAAAAAADwAAACADAAAAAAAAAAAAAAEAAACgMgAAVgcAAKr4//8BAAAAf39/AAEAAABkAAAAAAAAABQAAABAHwAAAAAAACYAAAAAAAAAwOD//wAAAAAmAAAAZAAAABYAAABMAAAAAAAAAAAAAAAEAAAAAAAAAAEAAACAgIAKAAAAACgAAAAoAAAAZAAAAGQAAAAAAAAAzMzMAAAAAABQAAAAUAAAAGQAAABkAAAAAAAAABcAAAAUAAAAAAAAAAAAAAD/fwAA/38AAAAAAAAJAAAABAAAAOOYAwAMAAAAEAAAAAAAAAAAAAAAAAAAAAAAAAAeAAAAaAAAAAAAAAAAAAAAAAAAAAAAAAAAAAAAECcAABAnAAAAAAAAAAAAAAAAAAAAAAAAAAAAAAAAAAAAAAAAAAAAABQAAAAAAAAAwMD/AAAAAABkAAAAMgAAAAAAAABkAAAAAAAAAH9/fwAKAAAAHwAAAFQAAAAAAAAFAAAAAQAAAAAAAAAAAAAAAAAAAAAAAAAAAAAAAAAAAAAAAAAAAAAAAn9/fwAAAAADzMzMAMDA/wB/f38AAAAAAAAAAAAAAAAAAAAAAAAAAAAhAAAAGAAAABQAAACWHAAAcQkAAHA1AABhDQAAEAAAACYAAAAIAAAAgYAAAAAAAAA="/>
               </a:ext>
             </a:extLst>
           </p:cNvSpPr>
@@ -1770,7 +1771,7 @@
             <a:spLocks noGrp="1" noChangeArrowheads="1"/>
             <a:extLst>
               <a:ext uri="smNativeData">
-                <pr:smNativeData xmlns:pr="smNativeData" val="SMDATA_13_5iCqYxMAAAAlAAAAZAAAAA8BAAAAkAAAAEgAAACQAAAASAAAAAAAAAAAAAAAAAAAAAEAAABQAAAAAAAAAAAA4D8AAAAAAADgPwAAAAAAAOA/AAAAAAAA4D8AAAAAAADgPwAAAAAAAOA/AAAAAAAA4D8AAAAAAADgPwAAAAAAAOA/AAAAAAAA4D8CAAAAjAAAAAAAAAAAAAAAu+DjDP///wgAAAAAAAAAAAAAAAAAAAAAAAAAAAAAAAAAAAAAZAAAAAEAAABAAAAAAAAAAAAAAAAAAAAAAAAAAAAAAAAAAAAAAAAAAAAAAAAAAAAAAAAAAAAAAAAAAAAAAAAAAAAAAAAAAAAAAAAAAAAAAAAAAAAAAAAAAAAAAAAAAAAAFAAAADwAAAAAAAAAAAAAAAAAAAkUAAAAAQAAABQAAAAUAAAAFAAAAAEAAAAAAAAAZAAAAGQAAAAAAAAAZAAAAGQAAAAVAAAAYAAAAAAAAAAAAAAADwAAACADAAAAAAAAAAAAAAEAAACgMgAAVgcAAKr4//8BAAAAf39/AAEAAABkAAAAAAAAABQAAABAHwAAAAAAACYAAAAAAAAAwOD//wAAAAAmAAAAZAAAABYAAABMAAAAAAAAAAAAAAAEAAAAAAAAAAEAAACAgIAKAAAAACgAAAAoAAAAZAAAAGQAAAAAAAAAzMzMAAAAAABQAAAAUAAAAGQAAABkAAAAAAAAABcAAAAUAAAAAAAAAAAAAAD/fwAA/38AAAAAAAAJAAAABAAAAAMAjgwMAAAAEAAAAAAAAAAAAAAAAAAAAAAAAAAeAAAAaAAAAAAAAAAAAAAAAAAAAAAAAAAAAAAAECcAABAnAAAAAAAAAAAAAAAAAAAAAAAAAAAAAAAAAAAAAAAAAAAAABQAAAAAAAAAwMD/AAAAAABkAAAAMgAAAAAAAABkAAAAAAAAAH9/fwAKAAAAHwAAAFQAAAAAAAAFAAAAAQAAAAAAAAAAAAAAAAAAAAAAAAAAAAAAAAAAAAAAAAAAAAAAAn9/fwAAAAADzMzMAMDA/wB/f38AAAAAAAAAAAAAAAAAAAAAAAAAAAAhAAAAGAAAABQAAACWHAAAYQ0AAHA1AACwJQAAEAAAACYAAAAIAAAAAYAAAAAAAAA="/>
+                <pr:smNativeData xmlns:pr="smNativeData" val="SMDATA_13_cFGrYxMAAAAlAAAAZAAAAA8BAAAAkAAAAEgAAACQAAAASAAAAAAAAAAAAAAAAAAAAAEAAABQAAAAAAAAAAAA4D8AAAAAAADgPwAAAAAAAOA/AAAAAAAA4D8AAAAAAADgPwAAAAAAAOA/AAAAAAAA4D8AAAAAAADgPwAAAAAAAOA/AAAAAAAA4D8CAAAAjAAAAAAAAAAAAAAAu+DjDP///wgAAAAAAAAAAAAAAAAAAAAAAAAAAAAAAAAAAAAAZAAAAAEAAABAAAAAAAAAAAAAAAAAAAAAAAAAAAAAAAAAAAAAAAAAAAAAAAAAAAAAAAAAAAAAAAAAAAAAAAAAAAAAAAAAAAAAAAAAAAAAAAAAAAAAAAAAAAAAAAAAAAAAFAAAADwAAAAAAAAAAAAAAAAAAAkUAAAAAQAAABQAAAAUAAAAFAAAAAEAAAAAAAAAZAAAAGQAAAAAAAAAZAAAAGQAAAAVAAAAYAAAAAAAAAAAAAAADwAAACADAAAAAAAAAAAAAAEAAACgMgAAVgcAAKr4//8BAAAAf39/AAEAAABkAAAAAAAAABQAAABAHwAAAAAAACYAAAAAAAAAwOD//wAAAAAmAAAAZAAAABYAAABMAAAAAAAAAAAAAAAEAAAAAAAAAAEAAACAgIAKAAAAACgAAAAoAAAAZAAAAGQAAAAAAAAAzMzMAAAAAABQAAAAUAAAAGQAAABkAAAAAAAAABcAAAAUAAAAAAAAAAAAAAD/fwAA/38AAAAAAAAJAAAABAAAAAMAjgwMAAAAEAAAAAAAAAAAAAAAAAAAAAAAAAAeAAAAaAAAAAAAAAAAAAAAAAAAAAAAAAAAAAAAECcAABAnAAAAAAAAAAAAAAAAAAAAAAAAAAAAAAAAAAAAAAAAAAAAABQAAAAAAAAAwMD/AAAAAABkAAAAMgAAAAAAAABkAAAAAAAAAH9/fwAKAAAAHwAAAFQAAAAAAAAFAAAAAQAAAAAAAAAAAAAAAAAAAAAAAAAAAAAAAAAAAAAAAAAAAAAAAn9/fwAAAAADzMzMAMDA/wB/f38AAAAAAAAAAAAAAAAAAAAAAAAAAAAhAAAAGAAAABQAAACWHAAAYQ0AAHA1AACwJQAAEAAAACYAAAAIAAAAAYAAAAAAAAA="/>
               </a:ext>
             </a:extLst>
           </p:cNvSpPr>
@@ -1854,7 +1855,7 @@
             <a:spLocks noGrp="1" noChangeArrowheads="1"/>
             <a:extLst>
               <a:ext uri="smNativeData">
-                <pr:smNativeData xmlns:pr="smNativeData" val="SMDATA_13_5iCqYxMAAAAlAAAAZAAAAA8BAAAAkAAAAEgAAACQAAAASAAAAAAAAAABAAAAAAAAAAEAAABQAAAAAAAAAAAA4D8AAAAAAADgPwAAAAAAAOA/AAAAAAAA4D8AAAAAAADgPwAAAAAAAOA/AAAAAAAA4D8AAAAAAADgPwAAAAAAAOA/AAAAAAAA4D8CAAAAjAAAAAAAAAAAAAAAu+DjDP///wgAAAAAAAAAAAAAAAAAAAAAAAAAAAAAAAAAAAAAZAAAAAEAAABAAAAAAAAAAAAAAAAAAAAAAAAAAAAAAAAAAAAAAAAAAAAAAAAAAAAAAAAAAAAAAAAAAAAAAAAAAAAAAAAAAAAAAAAAAAAAAAAAAAAAAAAAAAAAAAAAAAAAFAAAADwAAAAAAAAAAAAAAAAAAAkUAAAAAQAAABQAAAAUAAAAFAAAAAEAAAAAAAAAZAAAAGQAAAAAAAAAZAAAAGQAAAAVAAAAYAAAAAAAAAAAAAAADwAAACADAAAAAAAAAAAAAAEAAACgMgAAVgcAAKr4//8BAAAAf39/AAEAAABkAAAAAAAAABQAAABAHwAAAAAAACYAAAAAAAAAwOD//wAAAAAmAAAAZAAAABYAAABMAAAAAAAAAAAAAAAEAAAAAAAAAAEAAACAgIAKAAAAACgAAAAoAAAAZAAAAGQAAAAAAAAAzMzMAAAAAABQAAAAUAAAAGQAAABkAAAAAAAAABcAAAAUAAAAAAAAAAAAAAD/fwAA/38AAAAAAAAJAAAABAAAAM9Aa2gMAAAAEAAAAAAAAAAAAAAAAAAAAAAAAAAeAAAAaAAAAAAAAAAAAAAAAAAAAAAAAAAAAAAAECcAABAnAAAAAAAAAAAAAAAAAAAAAAAAAAAAAAAAAAAAAAAAAAAAABQAAAAAAAAAwMD/AAAAAABkAAAAMgAAAAAAAABkAAAAAAAAAH9/fwAKAAAAHwAAAFQAAAAAAAAFAAAAAQAAAAAAAAAAAAAAAAAAAAAAAAAAAAAAAAAAAAAAAAAAAAAAAn9/fwAAAAADzMzMAMDA/wB/f38AAAAAAAAAAAAAAAAAAAAAAAAAAAAhAAAAGAAAABQAAADQAgAAGycAAPAPAABZKQAAEAAAACYAAAAIAAAAAAAAAAAAAAA="/>
+                <pr:smNativeData xmlns:pr="smNativeData" val="SMDATA_13_cFGrYxMAAAAlAAAAZAAAAA8BAAAAkAAAAEgAAACQAAAASAAAAAAAAAABAAAAAAAAAAEAAABQAAAAAAAAAAAA4D8AAAAAAADgPwAAAAAAAOA/AAAAAAAA4D8AAAAAAADgPwAAAAAAAOA/AAAAAAAA4D8AAAAAAADgPwAAAAAAAOA/AAAAAAAA4D8CAAAAjAAAAAAAAAAAAAAAu+DjDP///wgAAAAAAAAAAAAAAAAAAAAAAAAAAAAAAAAAAAAAZAAAAAEAAABAAAAAAAAAAAAAAAAAAAAAAAAAAAAAAAAAAAAAAAAAAAAAAAAAAAAAAAAAAAAAAAAAAAAAAAAAAAAAAAAAAAAAAAAAAAAAAAAAAAAAAAAAAAAAAAAAAAAAFAAAADwAAAAAAAAAAAAAAAAAAAkUAAAAAQAAABQAAAAUAAAAFAAAAAEAAAAAAAAAZAAAAGQAAAAAAAAAZAAAAGQAAAAVAAAAYAAAAAAAAAAAAAAADwAAACADAAAAAAAAAAAAAAEAAACgMgAAVgcAAKr4//8BAAAAf39/AAEAAABkAAAAAAAAABQAAABAHwAAAAAAACYAAAAAAAAAwOD//wAAAAAmAAAAZAAAABYAAABMAAAAAAAAAAAAAAAEAAAAAAAAAAEAAACAgIAKAAAAACgAAAAoAAAAZAAAAGQAAAAAAAAAzMzMAAAAAABQAAAAUAAAAGQAAABkAAAAAAAAABcAAAAUAAAAAAAAAAAAAAD/fwAA/38AAAAAAAAJAAAABAAAAM9Aa2gMAAAAEAAAAAAAAAAAAAAAAAAAAAAAAAAeAAAAaAAAAAAAAAAAAAAAAAAAAAAAAAAAAAAAECcAABAnAAAAAAAAAAAAAAAAAAAAAAAAAAAAAAAAAAAAAAAAAAAAABQAAAAAAAAAwMD/AAAAAABkAAAAMgAAAAAAAABkAAAAAAAAAH9/fwAKAAAAHwAAAFQAAAAAAAAFAAAAAQAAAAAAAAAAAAAAAAAAAAAAAAAAAAAAAAAAAAAAAAAAAAAAAn9/fwAAAAADzMzMAMDA/wB/f38AAAAAAAAAAAAAAAAAAAAAAAAAAAAhAAAAGAAAABQAAADQAgAAGycAAPAPAABZKQAAEAAAACYAAAAIAAAAAAAAAAAAAAA="/>
               </a:ext>
             </a:extLst>
           </p:cNvSpPr>
@@ -1868,7 +1869,7 @@
           <a:lstStyle/>
           <a:p>
             <a:pPr/>
-            <a:fld id="{2683E39F-D1CB-D615-853B-2740AD757372}" type="datetime1">
+            <a:fld id="{21E78BEF-A1CC-B27D-825F-5728C5117402}" type="datetime1">
               <a:t/>
             </a:fld>
           </a:p>
@@ -1881,7 +1882,7 @@
             <a:spLocks noGrp="1" noChangeArrowheads="1"/>
             <a:extLst>
               <a:ext uri="smNativeData">
-                <pr:smNativeData xmlns:pr="smNativeData" val="SMDATA_13_5iCqYxMAAAAlAAAAZAAAAA8BAAAAkAAAAEgAAACQAAAASAAAAAAAAAABAAAAAAAAAAEAAABQAAAAAAAAAAAA4D8AAAAAAADgPwAAAAAAAOA/AAAAAAAA4D8AAAAAAADgPwAAAAAAAOA/AAAAAAAA4D8AAAAAAADgPwAAAAAAAOA/AAAAAAAA4D8CAAAAjAAAAAAAAAAAAAAAu+DjDP///wgAAAAAAAAAAAAAAAAAAAAAAAAAAAAAAAAAAAAAZAAAAAEAAABAAAAAAAAAAAAAAAAAAAAAAAAAAAAAAAAAAAAAAAAAAAAAAAAAAAAAAAAAAAAAAAAAAAAAAAAAAAAAAAAAAAAAAAAAAAAAAAAAAAAAAAAAAAAAAAAAAAAAFAAAADwAAAAAAAAAAAAAAAAAAAkUAAAAAQAAABQAAAAUAAAAFAAAAAEAAAAAAAAAZAAAAGQAAAAAAAAAZAAAAGQAAAAVAAAAYAAAAAAAAAAAAAAADwAAACADAAAAAAAAAAAAAAEAAACgMgAAVgcAAKr4//8BAAAAf39/AAEAAABkAAAAAAAAABQAAABAHwAAAAAAACYAAAAAAAAAwOD//wAAAAAmAAAAZAAAABYAAABMAAAAAAAAAAAAAAAEAAAAAAAAAAEAAACAgIAKAAAAACgAAAAoAAAAZAAAAGQAAAAAAAAAzMzMAAAAAABQAAAAUAAAAGQAAABkAAAAAAAAABcAAAAUAAAAAAAAAAAAAAD/fwAA/38AAAAAAAAJAAAABAAAAHJ+AwAMAAAAEAAAAAAAAAAAAAAAAAAAAAAAAAAeAAAAaAAAAAAAAAAAAAAAAAAAAAAAAAAAAAAAECcAABAnAAAAAAAAAAAAAAAAAAAAAAAAAAAAAAAAAAAAAAAAAAAAABQAAAAAAAAAwMD/AAAAAABkAAAAMgAAAAAAAABkAAAAAAAAAH9/fwAKAAAAHwAAAFQAAAAAAAAFAAAAAQAAAAAAAAAAAAAAAAAAAAAAAAAAAAAAAAAAAAAAAAAAAAAAAn9/fwAAAAADzMzMAMDA/wB/f38AAAAAAAAAAAAAAAAAAAAAAAAAAAAhAAAAGAAAABQAAAA4EwAAGycAAAglAABZKQAAEAAAACYAAAAIAAAAAAAAAAAAAAA="/>
+                <pr:smNativeData xmlns:pr="smNativeData" val="SMDATA_13_cFGrYxMAAAAlAAAAZAAAAA8BAAAAkAAAAEgAAACQAAAASAAAAAAAAAABAAAAAAAAAAEAAABQAAAAAAAAAAAA4D8AAAAAAADgPwAAAAAAAOA/AAAAAAAA4D8AAAAAAADgPwAAAAAAAOA/AAAAAAAA4D8AAAAAAADgPwAAAAAAAOA/AAAAAAAA4D8CAAAAjAAAAAAAAAAAAAAAu+DjDP///wgAAAAAAAAAAAAAAAAAAAAAAAAAAAAAAAAAAAAAZAAAAAEAAABAAAAAAAAAAAAAAAAAAAAAAAAAAAAAAAAAAAAAAAAAAAAAAAAAAAAAAAAAAAAAAAAAAAAAAAAAAAAAAAAAAAAAAAAAAAAAAAAAAAAAAAAAAAAAAAAAAAAAFAAAADwAAAAAAAAAAAAAAAAAAAkUAAAAAQAAABQAAAAUAAAAFAAAAAEAAAAAAAAAZAAAAGQAAAAAAAAAZAAAAGQAAAAVAAAAYAAAAAAAAAAAAAAADwAAACADAAAAAAAAAAAAAAEAAACgMgAAVgcAAKr4//8BAAAAf39/AAEAAABkAAAAAAAAABQAAABAHwAAAAAAACYAAAAAAAAAwOD//wAAAAAmAAAAZAAAABYAAABMAAAAAAAAAAAAAAAEAAAAAAAAAAEAAACAgIAKAAAAACgAAAAoAAAAZAAAAGQAAAAAAAAAzMzMAAAAAABQAAAAUAAAAGQAAABkAAAAAAAAABcAAAAUAAAAAAAAAAAAAAD/fwAA/38AAAAAAAAJAAAABAAAAHJ+AwAMAAAAEAAAAAAAAAAAAAAAAAAAAAAAAAAeAAAAaAAAAAAAAAAAAAAAAAAAAAAAAAAAAAAAECcAABAnAAAAAAAAAAAAAAAAAAAAAAAAAAAAAAAAAAAAAAAAAAAAABQAAAAAAAAAwMD/AAAAAABkAAAAMgAAAAAAAABkAAAAAAAAAH9/fwAKAAAAHwAAAFQAAAAAAAAFAAAAAQAAAAAAAAAAAAAAAAAAAAAAAAAAAAAAAAAAAAAAAAAAAAAAAn9/fwAAAAADzMzMAMDA/wB/f38AAAAAAAAAAAAAAAAAAAAAAAAAAAAhAAAAGAAAABQAAAA4EwAAGycAAAglAABZKQAAEAAAACYAAAAIAAAAAAAAAAAAAAA="/>
               </a:ext>
             </a:extLst>
           </p:cNvSpPr>
@@ -1905,7 +1906,7 @@
             <a:spLocks noGrp="1" noChangeArrowheads="1"/>
             <a:extLst>
               <a:ext uri="smNativeData">
-                <pr:smNativeData xmlns:pr="smNativeData" val="SMDATA_13_5iCqYxMAAAAlAAAAZAAAAA8BAAAAkAAAAEgAAACQAAAASAAAAAAAAAABAAAAAAAAAAEAAABQAAAAAAAAAAAA4D8AAAAAAADgPwAAAAAAAOA/AAAAAAAA4D8AAAAAAADgPwAAAAAAAOA/AAAAAAAA4D8AAAAAAADgPwAAAAAAAOA/AAAAAAAA4D8CAAAAjAAAAAAAAAAAAAAAu+DjDP///wgAAAAAAAAAAAAAAAAAAAAAAAAAAAAAAAAAAAAAZAAAAAEAAABAAAAAAAAAAAAAAAAAAAAAAAAAAAAAAAAAAAAAAAAAAAAAAAAAAAAAAAAAAAAAAAAAAAAAAAAAAAAAAAAAAAAAAAAAAAAAAAAAAAAAAAAAAAAAAAAAAAAAFAAAADwAAAAAAAAAAAAAAAAAAAkUAAAAAQAAABQAAAAUAAAAFAAAAAEAAAAAAAAAZAAAAGQAAAAAAAAAZAAAAGQAAAAVAAAAYAAAAAAAAAAAAAAADwAAACADAAAAAAAAAAAAAAEAAACgMgAAVgcAAKr4//8BAAAAf39/AAEAAABkAAAAAAAAABQAAABAHwAAAAAAACYAAAAAAAAAwOD//wAAAAAmAAAAZAAAABYAAABMAAAAAAAAAAAAAAAEAAAAAAAAAAEAAACAgIAKAAAAACgAAAAoAAAAZAAAAGQAAAAAAAAAzMzMAAAAAABQAAAAUAAAAGQAAABkAAAAAAAAABcAAAAUAAAAAAAAAAAAAAD/fwAA/38AAAAAAAAJAAAABAAAAKVGcaEMAAAAEAAAAAAAAAAAAAAAAAAAAAAAAAAeAAAAaAAAAAAAAAAAAAAAAAAAAAAAAAAAAAAAECcAABAnAAAAAAAAAAAAAAAAAAAAAAAAAAAAAAAAAAAAAAAAAAAAABQAAAAAAAAAwMD/AAAAAABkAAAAMgAAAAAAAABkAAAAAAAAAH9/fwAKAAAAHwAAAFQAAAAAAAAFAAAAAQAAAAAAAAAAAAAAAAAAAAAAAAAAAAAAAAAAAAAAAAAAAAAAAn9/fwAAAAADzMzMAMDA/wB/f38AAAAAAAAAAAAAAAAAAAAAAAAAAAAhAAAAGAAAABQAAABQKAAAGycAAHA1AABZKQAAEAAAACYAAAAIAAAAAAAAAAAAAAA="/>
+                <pr:smNativeData xmlns:pr="smNativeData" val="SMDATA_13_cFGrYxMAAAAlAAAAZAAAAA8BAAAAkAAAAEgAAACQAAAASAAAAAAAAAABAAAAAAAAAAEAAABQAAAAAAAAAAAA4D8AAAAAAADgPwAAAAAAAOA/AAAAAAAA4D8AAAAAAADgPwAAAAAAAOA/AAAAAAAA4D8AAAAAAADgPwAAAAAAAOA/AAAAAAAA4D8CAAAAjAAAAAAAAAAAAAAAu+DjDP///wgAAAAAAAAAAAAAAAAAAAAAAAAAAAAAAAAAAAAAZAAAAAEAAABAAAAAAAAAAAAAAAAAAAAAAAAAAAAAAAAAAAAAAAAAAAAAAAAAAAAAAAAAAAAAAAAAAAAAAAAAAAAAAAAAAAAAAAAAAAAAAAAAAAAAAAAAAAAAAAAAAAAAFAAAADwAAAAAAAAAAAAAAAAAAAkUAAAAAQAAABQAAAAUAAAAFAAAAAEAAAAAAAAAZAAAAGQAAAAAAAAAZAAAAGQAAAAVAAAAYAAAAAAAAAAAAAAADwAAACADAAAAAAAAAAAAAAEAAACgMgAAVgcAAKr4//8BAAAAf39/AAEAAABkAAAAAAAAABQAAABAHwAAAAAAACYAAAAAAAAAwOD//wAAAAAmAAAAZAAAABYAAABMAAAAAAAAAAAAAAAEAAAAAAAAAAEAAACAgIAKAAAAACgAAAAoAAAAZAAAAGQAAAAAAAAAzMzMAAAAAABQAAAAUAAAAGQAAABkAAAAAAAAABcAAAAUAAAAAAAAAAAAAAD/fwAA/38AAAAAAAAJAAAABAAAAKVGcaEMAAAAEAAAAAAAAAAAAAAAAAAAAAAAAAAeAAAAaAAAAAAAAAAAAAAAAAAAAAAAAAAAAAAAECcAABAnAAAAAAAAAAAAAAAAAAAAAAAAAAAAAAAAAAAAAAAAAAAAABQAAAAAAAAAwMD/AAAAAABkAAAAMgAAAAAAAABkAAAAAAAAAH9/fwAKAAAAHwAAAFQAAAAAAAAFAAAAAQAAAAAAAAAAAAAAAAAAAAAAAAAAAAAAAAAAAAAAAAAAAAAAAn9/fwAAAAADzMzMAMDA/wB/f38AAAAAAAAAAAAAAAAAAAAAAAAAAAAhAAAAGAAAABQAAABQKAAAGycAAHA1AABZKQAAEAAAACYAAAAIAAAAAAAAAAAAAAA="/>
               </a:ext>
             </a:extLst>
           </p:cNvSpPr>
@@ -1919,7 +1920,7 @@
           <a:lstStyle/>
           <a:p>
             <a:pPr/>
-            <a:fld id="{2683A9A3-EDCB-D65F-853B-1B0AE775734E}" type="slidenum">
+            <a:fld id="{21E7FB83-CDCC-B20D-825F-3B58B511746E}" type="slidenum">
               <a:t/>
             </a:fld>
           </a:p>
@@ -1957,7 +1958,7 @@
             <a:spLocks noGrp="1" noChangeArrowheads="1"/>
             <a:extLst>
               <a:ext uri="smNativeData">
-                <pr:smNativeData xmlns:pr="smNativeData" val="SMDATA_13_5iCqYxMAAAAlAAAAZAAAAA8BAAAAkAAAAEgAAACQAAAASAAAAAAAAAABAAAAAAAAAAEAAABQAAAAAAAAAAAA4D8AAAAAAADgPwAAAAAAAOA/AAAAAAAA4D8AAAAAAADgPwAAAAAAAOA/AAAAAAAA4D8AAAAAAADgPwAAAAAAAOA/AAAAAAAA4D8CAAAAjAAAAAAAAAAAAAAAu+DjDP///wgAAAAAAAAAAAAAAAAAAAAAAAAAAAAAAAAAAAAAZAAAAAEAAABAAAAAAAAAAAAAAAAAAAAAAAAAAAAAAAAAAAAAAAAAAAAAAAAAAAAAAAAAAAAAAAAAAAAAAAAAAAAAAAAAAAAAAAAAAAAAAAAAAAAAAAAAAAAAAAAAAAAAFAAAADwAAAAAAAAAAAAAAAAAAAkUAAAAAQAAABQAAAAUAAAAFAAAAAEAAAAAAAAAZAAAAGQAAAAAAAAAZAAAAGQAAAAVAAAAYAAAAAAAAAAAAAAADwAAACADAAAAAAAAAAAAAAEAAACgMgAAVgcAAKr4//8BAAAAf39/AAEAAABkAAAAAAAAABQAAABAHwAAAAAAACYAAAAAAAAAwOD//wAAAAAmAAAAZAAAABYAAABMAAAAAAAAAAAAAAAEAAAAAAAAAAEAAACAgIAKAAAAACgAAAAoAAAAZAAAAGQAAAAAAAAAzMzMAAAAAABQAAAAUAAAAGQAAABkAAAAAAAAABcAAAAUAAAAAAAAAAAAAAD/fwAA/38AAAAAAAAJAAAABAAAAAAAAAAMAAAAEAAAAAAAAAAAAAAAAAAAAAAAAAAeAAAAaAAAAAAAAAAAAAAAAAAAAAAAAAAAAAAAECcAABAnAAAAAAAAAAAAAAAAAAAAAAAAAAAAAAAAAAAAAAAAAAAAABQAAAAAAAAAwMD/AAAAAABkAAAAMgAAAAAAAABkAAAAAAAAAH9/fwAKAAAAHwAAAFQAAAAAAAAFAAAAAQAAAAAAAAAAAAAAAAAAAAAAAAAAAAAAAAAAAAAAAAAAAAAAAn9/fwAAAAADzMzMAMDA/wB/f38AAAAAAAAAAAAAAAAAAAAAAAAAAAAhAAAAGAAAABQAAADQAgAAsAEAAHA1AAC4CAAAEAAAACYAAAAIAAAAAAAAAAAAAAA="/>
+                <pr:smNativeData xmlns:pr="smNativeData" val="SMDATA_13_cFGrYxMAAAAlAAAAZAAAAA8BAAAAkAAAAEgAAACQAAAASAAAAAAAAAABAAAAAAAAAAEAAABQAAAAAAAAAAAA4D8AAAAAAADgPwAAAAAAAOA/AAAAAAAA4D8AAAAAAADgPwAAAAAAAOA/AAAAAAAA4D8AAAAAAADgPwAAAAAAAOA/AAAAAAAA4D8CAAAAjAAAAAAAAAAAAAAAu+DjDP///wgAAAAAAAAAAAAAAAAAAAAAAAAAAAAAAAAAAAAAZAAAAAEAAABAAAAAAAAAAAAAAAAAAAAAAAAAAAAAAAAAAAAAAAAAAAAAAAAAAAAAAAAAAAAAAAAAAAAAAAAAAAAAAAAAAAAAAAAAAAAAAAAAAAAAAAAAAAAAAAAAAAAAFAAAADwAAAAAAAAAAAAAAAAAAAkUAAAAAQAAABQAAAAUAAAAFAAAAAEAAAAAAAAAZAAAAGQAAAAAAAAAZAAAAGQAAAAVAAAAYAAAAAAAAAAAAAAADwAAACADAAAAAAAAAAAAAAEAAACgMgAAVgcAAKr4//8BAAAAf39/AAEAAABkAAAAAAAAABQAAABAHwAAAAAAACYAAAAAAAAAwOD//wAAAAAmAAAAZAAAABYAAABMAAAAAAAAAAAAAAAEAAAAAAAAAAEAAACAgIAKAAAAACgAAAAoAAAAZAAAAGQAAAAAAAAAzMzMAAAAAABQAAAAUAAAAGQAAABkAAAAAAAAABcAAAAUAAAAAAAAAAAAAAD/fwAA/38AAAAAAAAJAAAABAAAAAAAAAAMAAAAEAAAAAAAAAAAAAAAAAAAAAAAAAAeAAAAaAAAAAAAAAAAAAAAAAAAAAAAAAAAAAAAECcAABAnAAAAAAAAAAAAAAAAAAAAAAAAAAAAAAAAAAAAAAAAAAAAABQAAAAAAAAAwMD/AAAAAABkAAAAMgAAAAAAAABkAAAAAAAAAH9/fwAKAAAAHwAAAFQAAAAAAAAFAAAAAQAAAAAAAAAAAAAAAAAAAAAAAAAAAAAAAAAAAAAAAAAAAAAAAn9/fwAAAAADzMzMAMDA/wB/f38AAAAAAAAAAAAAAAAAAAAAAAAAAAAhAAAAGAAAABQAAADQAgAAsAEAAHA1AAC4CAAAEAAAACYAAAAIAAAAAAAAAAAAAAA="/>
               </a:ext>
             </a:extLst>
           </p:cNvSpPr>
@@ -1984,7 +1985,7 @@
             <a:spLocks noGrp="1" noChangeArrowheads="1"/>
             <a:extLst>
               <a:ext uri="smNativeData">
-                <pr:smNativeData xmlns:pr="smNativeData" val="SMDATA_13_5iCqYxMAAAAlAAAAZAAAAA8BAAAAkAAAAEgAAACQAAAASAAAAAAAAAABAAAAAAAAAAEAAABQAAAAAAAAAAAA4D8AAAAAAADgPwAAAAAAAOA/AAAAAAAA4D8AAAAAAADgPwAAAAAAAOA/AAAAAAAA4D8AAAAAAADgPwAAAAAAAOA/AAAAAAAA4D8CAAAAjAAAAAAAAAAAAAAAu+DjDP///wgAAAAAAAAAAAAAAAAAAAAAAAAAAAAAAAAAAAAAZAAAAAEAAABAAAAAAAAAAAAAAAAAAAAAAAAAAAAAAAAAAAAAAAAAAAAAAAAAAAAAAAAAAAAAAAAAAAAAAAAAAAAAAAAAAAAAAAAAAAAAAAAAAAAAAAAAAAAAAAAAAAAAFAAAADwAAAAAAAAAAAAAAAAAAAkUAAAAAQAAABQAAAAUAAAAFAAAAAEAAAAAAAAAZAAAAGQAAAAAAAAAZAAAAGQAAAAVAAAAYAAAAAAAAAAAAAAADwAAACADAAAAAAAAAAAAAAEAAACgMgAAVgcAAKr4//8BAAAAf39/AAEAAABkAAAAAAAAABQAAABAHwAAAAAAACYAAAAAAAAAwOD//wAAAAAmAAAAZAAAABYAAABMAAAAAAAAAAAAAAAEAAAAAAAAAAEAAACAgIAKAAAAACgAAAAoAAAAZAAAAGQAAAAAAAAAzMzMAAAAAABQAAAAUAAAAGQAAABkAAAAAAAAABcAAAAUAAAAAAAAAAAAAAD/fwAA/38AAAAAAAAJAAAABAAAAAAAAAAMAAAAEAAAAAAAAAAAAAAAAAAAAAAAAAAeAAAAaAAAAAAAAAAAAAAAAAAAAAAAAAAAAAAAECcAABAnAAAAAAAAAAAAAAAAAAAAAAAAAAAAAAAAAAAAAAAAAAAAABQAAAAAAAAAwMD/AAAAAABkAAAAMgAAAAAAAABkAAAAAAAAAH9/fwAKAAAAHwAAAFQAAAAAAAAFAAAAAQAAAAAAAAAAAAAAAAAAAAAAAAAAAAAAAAAAAAAAAAAAAAAAAn9/fwAAAAADzMzMAMDA/wB/f38AAAAAAAAAAAAAAAAAAAAAAAAAAAAhAAAAGAAAABQAAADQAgAAGycAAPAPAABZKQAAEAAAACYAAAAIAAAAAAAAAAAAAAA="/>
+                <pr:smNativeData xmlns:pr="smNativeData" val="SMDATA_13_cFGrYxMAAAAlAAAAZAAAAA8BAAAAkAAAAEgAAACQAAAASAAAAAAAAAABAAAAAAAAAAEAAABQAAAAAAAAAAAA4D8AAAAAAADgPwAAAAAAAOA/AAAAAAAA4D8AAAAAAADgPwAAAAAAAOA/AAAAAAAA4D8AAAAAAADgPwAAAAAAAOA/AAAAAAAA4D8CAAAAjAAAAAAAAAAAAAAAu+DjDP///wgAAAAAAAAAAAAAAAAAAAAAAAAAAAAAAAAAAAAAZAAAAAEAAABAAAAAAAAAAAAAAAAAAAAAAAAAAAAAAAAAAAAAAAAAAAAAAAAAAAAAAAAAAAAAAAAAAAAAAAAAAAAAAAAAAAAAAAAAAAAAAAAAAAAAAAAAAAAAAAAAAAAAFAAAADwAAAAAAAAAAAAAAAAAAAkUAAAAAQAAABQAAAAUAAAAFAAAAAEAAAAAAAAAZAAAAGQAAAAAAAAAZAAAAGQAAAAVAAAAYAAAAAAAAAAAAAAADwAAACADAAAAAAAAAAAAAAEAAACgMgAAVgcAAKr4//8BAAAAf39/AAEAAABkAAAAAAAAABQAAABAHwAAAAAAACYAAAAAAAAAwOD//wAAAAAmAAAAZAAAABYAAABMAAAAAAAAAAAAAAAEAAAAAAAAAAEAAACAgIAKAAAAACgAAAAoAAAAZAAAAGQAAAAAAAAAzMzMAAAAAABQAAAAUAAAAGQAAABkAAAAAAAAABcAAAAUAAAAAAAAAAAAAAD/fwAA/38AAAAAAAAJAAAABAAAAAAAAAAMAAAAEAAAAAAAAAAAAAAAAAAAAAAAAAAeAAAAaAAAAAAAAAAAAAAAAAAAAAAAAAAAAAAAECcAABAnAAAAAAAAAAAAAAAAAAAAAAAAAAAAAAAAAAAAAAAAAAAAABQAAAAAAAAAwMD/AAAAAABkAAAAMgAAAAAAAABkAAAAAAAAAH9/fwAKAAAAHwAAAFQAAAAAAAAFAAAAAQAAAAAAAAAAAAAAAAAAAAAAAAAAAAAAAAAAAAAAAAAAAAAAAn9/fwAAAAADzMzMAMDA/wB/f38AAAAAAAAAAAAAAAAAAAAAAAAAAAAhAAAAGAAAABQAAADQAgAAGycAAPAPAABZKQAAEAAAACYAAAAIAAAAAAAAAAAAAAA="/>
               </a:ext>
             </a:extLst>
           </p:cNvSpPr>
@@ -1998,7 +1999,7 @@
           <a:lstStyle/>
           <a:p>
             <a:pPr/>
-            <a:fld id="{2683B8C2-8CCB-D64E-853B-7A1BF675732F}" type="datetime1">
+            <a:fld id="{21E7BB0B-45CC-B24D-825F-B318F51174E6}" type="datetime1">
               <a:t/>
             </a:fld>
           </a:p>
@@ -2011,7 +2012,7 @@
             <a:spLocks noGrp="1" noChangeArrowheads="1"/>
             <a:extLst>
               <a:ext uri="smNativeData">
-                <pr:smNativeData xmlns:pr="smNativeData" val="SMDATA_13_5iCqYxMAAAAlAAAAZAAAAA8BAAAAkAAAAEgAAACQAAAASAAAAAAAAAABAAAAAAAAAAEAAABQAAAAAAAAAAAA4D8AAAAAAADgPwAAAAAAAOA/AAAAAAAA4D8AAAAAAADgPwAAAAAAAOA/AAAAAAAA4D8AAAAAAADgPwAAAAAAAOA/AAAAAAAA4D8CAAAAjAAAAAAAAAAAAAAAu+DjDP///wgAAAAAAAAAAAAAAAAAAAAAAAAAAAAAAAAAAAAAZAAAAAEAAABAAAAAAAAAAAAAAAAAAAAAAAAAAAAAAAAAAAAAAAAAAAAAAAAAAAAAAAAAAAAAAAAAAAAAAAAAAAAAAAAAAAAAAAAAAAAAAAAAAAAAAAAAAAAAAAAAAAAAFAAAADwAAAAAAAAAAAAAAAAAAAkUAAAAAQAAABQAAAAUAAAAFAAAAAEAAAAAAAAAZAAAAGQAAAAAAAAAZAAAAGQAAAAVAAAAYAAAAAAAAAAAAAAADwAAACADAAAAAAAAAAAAAAEAAACgMgAAVgcAAKr4//8BAAAAf39/AAEAAABkAAAAAAAAABQAAABAHwAAAAAAACYAAAAAAAAAwOD//wAAAAAmAAAAZAAAABYAAABMAAAAAAAAAAAAAAAEAAAAAAAAAAEAAACAgIAKAAAAACgAAAAoAAAAZAAAAGQAAAAAAAAAzMzMAAAAAABQAAAAUAAAAGQAAABkAAAAAAAAABcAAAAUAAAAAAAAAAAAAAD/fwAA/38AAAAAAAAJAAAABAAAAAAAAAAMAAAAEAAAAAAAAAAAAAAAAAAAAAAAAAAeAAAAaAAAAAAAAAAAAAAAAAAAAAAAAAAAAAAAECcAABAnAAAAAAAAAAAAAAAAAAAAAAAAAAAAAAAAAAAAAAAAAAAAABQAAAAAAAAAwMD/AAAAAABkAAAAMgAAAAAAAABkAAAAAAAAAH9/fwAKAAAAHwAAAFQAAAAAAAAFAAAAAQAAAAAAAAAAAAAAAAAAAAAAAAAAAAAAAAAAAAAAAAAAAAAAAn9/fwAAAAADzMzMAMDA/wB/f38AAAAAAAAAAAAAAAAAAAAAAAAAAAAhAAAAGAAAABQAAAA4EwAAGycAAAglAABZKQAAEAAAACYAAAAIAAAAAAAAAAAAAAA="/>
+                <pr:smNativeData xmlns:pr="smNativeData" val="SMDATA_13_cFGrYxMAAAAlAAAAZAAAAA8BAAAAkAAAAEgAAACQAAAASAAAAAAAAAABAAAAAAAAAAEAAABQAAAAAAAAAAAA4D8AAAAAAADgPwAAAAAAAOA/AAAAAAAA4D8AAAAAAADgPwAAAAAAAOA/AAAAAAAA4D8AAAAAAADgPwAAAAAAAOA/AAAAAAAA4D8CAAAAjAAAAAAAAAAAAAAAu+DjDP///wgAAAAAAAAAAAAAAAAAAAAAAAAAAAAAAAAAAAAAZAAAAAEAAABAAAAAAAAAAAAAAAAAAAAAAAAAAAAAAAAAAAAAAAAAAAAAAAAAAAAAAAAAAAAAAAAAAAAAAAAAAAAAAAAAAAAAAAAAAAAAAAAAAAAAAAAAAAAAAAAAAAAAFAAAADwAAAAAAAAAAAAAAAAAAAkUAAAAAQAAABQAAAAUAAAAFAAAAAEAAAAAAAAAZAAAAGQAAAAAAAAAZAAAAGQAAAAVAAAAYAAAAAAAAAAAAAAADwAAACADAAAAAAAAAAAAAAEAAACgMgAAVgcAAKr4//8BAAAAf39/AAEAAABkAAAAAAAAABQAAABAHwAAAAAAACYAAAAAAAAAwOD//wAAAAAmAAAAZAAAABYAAABMAAAAAAAAAAAAAAAEAAAAAAAAAAEAAACAgIAKAAAAACgAAAAoAAAAZAAAAGQAAAAAAAAAzMzMAAAAAABQAAAAUAAAAGQAAABkAAAAAAAAABcAAAAUAAAAAAAAAAAAAAD/fwAA/38AAAAAAAAJAAAABAAAAAAAAAAMAAAAEAAAAAAAAAAAAAAAAAAAAAAAAAAeAAAAaAAAAAAAAAAAAAAAAAAAAAAAAAAAAAAAECcAABAnAAAAAAAAAAAAAAAAAAAAAAAAAAAAAAAAAAAAAAAAAAAAABQAAAAAAAAAwMD/AAAAAABkAAAAMgAAAAAAAABkAAAAAAAAAH9/fwAKAAAAHwAAAFQAAAAAAAAFAAAAAQAAAAAAAAAAAAAAAAAAAAAAAAAAAAAAAAAAAAAAAAAAAAAAAn9/fwAAAAADzMzMAMDA/wB/f38AAAAAAAAAAAAAAAAAAAAAAAAAAAAhAAAAGAAAABQAAAA4EwAAGycAAAglAABZKQAAEAAAACYAAAAIAAAAAAAAAAAAAAA="/>
               </a:ext>
             </a:extLst>
           </p:cNvSpPr>
@@ -2035,7 +2036,7 @@
             <a:spLocks noGrp="1" noChangeArrowheads="1"/>
             <a:extLst>
               <a:ext uri="smNativeData">
-                <pr:smNativeData xmlns:pr="smNativeData" val="SMDATA_13_5iCqYxMAAAAlAAAAZAAAAA8BAAAAkAAAAEgAAACQAAAASAAAAAAAAAABAAAAAAAAAAEAAABQAAAAAAAAAAAA4D8AAAAAAADgPwAAAAAAAOA/AAAAAAAA4D8AAAAAAADgPwAAAAAAAOA/AAAAAAAA4D8AAAAAAADgPwAAAAAAAOA/AAAAAAAA4D8CAAAAjAAAAAAAAAAAAAAAu+DjDP///wgAAAAAAAAAAAAAAAAAAAAAAAAAAAAAAAAAAAAAZAAAAAEAAABAAAAAAAAAAAAAAAAAAAAAAAAAAAAAAAAAAAAAAAAAAAAAAAAAAAAAAAAAAAAAAAAAAAAAAAAAAAAAAAAAAAAAAAAAAAAAAAAAAAAAAAAAAAAAAAAAAAAAFAAAADwAAAAAAAAAAAAAAAAAAAkUAAAAAQAAABQAAAAUAAAAFAAAAAEAAAAAAAAAZAAAAGQAAAAAAAAAZAAAAGQAAAAVAAAAYAAAAAAAAAAAAAAADwAAACADAAAAAAAAAAAAAAEAAACgMgAAVgcAAKr4//8BAAAAf39/AAEAAABkAAAAAAAAABQAAABAHwAAAAAAACYAAAAAAAAAwOD//wAAAAAmAAAAZAAAABYAAABMAAAAAAAAAAAAAAAEAAAAAAAAAAEAAACAgIAKAAAAACgAAAAoAAAAZAAAAGQAAAAAAAAAzMzMAAAAAABQAAAAUAAAAGQAAABkAAAAAAAAABcAAAAUAAAAAAAAAAAAAAD/fwAA/38AAAAAAAAJAAAABAAAAAAAAAAMAAAAEAAAAAAAAAAAAAAAAAAAAAAAAAAeAAAAaAAAAAAAAAAAAAAAAAAAAAAAAAAAAAAAECcAABAnAAAAAAAAAAAAAAAAAAAAAAAAAAAAAAAAAAAAAAAAAAAAABQAAAAAAAAAwMD/AAAAAABkAAAAMgAAAAAAAABkAAAAAAAAAH9/fwAKAAAAHwAAAFQAAAAAAAAFAAAAAQAAAAAAAAAAAAAAAAAAAAAAAAAAAAAAAAAAAAAAAAAAAAAAAn9/fwAAAAADzMzMAMDA/wB/f38AAAAAAAAAAAAAAAAAAAAAAAAAAAAhAAAAGAAAABQAAABQKAAAGycAAHA1AABZKQAAEAAAACYAAAAIAAAAAAAAAAAAAAA="/>
+                <pr:smNativeData xmlns:pr="smNativeData" val="SMDATA_13_cFGrYxMAAAAlAAAAZAAAAA8BAAAAkAAAAEgAAACQAAAASAAAAAAAAAABAAAAAAAAAAEAAABQAAAAAAAAAAAA4D8AAAAAAADgPwAAAAAAAOA/AAAAAAAA4D8AAAAAAADgPwAAAAAAAOA/AAAAAAAA4D8AAAAAAADgPwAAAAAAAOA/AAAAAAAA4D8CAAAAjAAAAAAAAAAAAAAAu+DjDP///wgAAAAAAAAAAAAAAAAAAAAAAAAAAAAAAAAAAAAAZAAAAAEAAABAAAAAAAAAAAAAAAAAAAAAAAAAAAAAAAAAAAAAAAAAAAAAAAAAAAAAAAAAAAAAAAAAAAAAAAAAAAAAAAAAAAAAAAAAAAAAAAAAAAAAAAAAAAAAAAAAAAAAFAAAADwAAAAAAAAAAAAAAAAAAAkUAAAAAQAAABQAAAAUAAAAFAAAAAEAAAAAAAAAZAAAAGQAAAAAAAAAZAAAAGQAAAAVAAAAYAAAAAAAAAAAAAAADwAAACADAAAAAAAAAAAAAAEAAACgMgAAVgcAAKr4//8BAAAAf39/AAEAAABkAAAAAAAAABQAAABAHwAAAAAAACYAAAAAAAAAwOD//wAAAAAmAAAAZAAAABYAAABMAAAAAAAAAAAAAAAEAAAAAAAAAAEAAACAgIAKAAAAACgAAAAoAAAAZAAAAGQAAAAAAAAAzMzMAAAAAABQAAAAUAAAAGQAAABkAAAAAAAAABcAAAAUAAAAAAAAAAAAAAD/fwAA/38AAAAAAAAJAAAABAAAAAAAAAAMAAAAEAAAAAAAAAAAAAAAAAAAAAAAAAAeAAAAaAAAAAAAAAAAAAAAAAAAAAAAAAAAAAAAECcAABAnAAAAAAAAAAAAAAAAAAAAAAAAAAAAAAAAAAAAAAAAAAAAABQAAAAAAAAAwMD/AAAAAABkAAAAMgAAAAAAAABkAAAAAAAAAH9/fwAKAAAAHwAAAFQAAAAAAAAFAAAAAQAAAAAAAAAAAAAAAAAAAAAAAAAAAAAAAAAAAAAAAAAAAAAAAn9/fwAAAAADzMzMAMDA/wB/f38AAAAAAAAAAAAAAAAAAAAAAAAAAAAhAAAAGAAAABQAAABQKAAAGycAAHA1AABZKQAAEAAAACYAAAAIAAAAAAAAAAAAAAA="/>
               </a:ext>
             </a:extLst>
           </p:cNvSpPr>
@@ -2049,7 +2050,7 @@
           <a:lstStyle/>
           <a:p>
             <a:pPr/>
-            <a:fld id="{2683C72D-63CB-D631-853B-9564897573C0}" type="slidenum">
+            <a:fld id="{21E78A8A-C4CC-B27C-825F-3229C4117467}" type="slidenum">
               <a:t/>
             </a:fld>
           </a:p>
@@ -2087,7 +2088,7 @@
             <a:spLocks noGrp="1" noChangeArrowheads="1"/>
             <a:extLst>
               <a:ext uri="smNativeData">
-                <pr:smNativeData xmlns:pr="smNativeData" val="SMDATA_13_5iCqYxMAAAAlAAAAZAAAAA8BAAAAkAAAAEgAAACQAAAASAAAAAAAAAABAAAAAAAAAAEAAABQAAAAAAAAAAAA4D8AAAAAAADgPwAAAAAAAOA/AAAAAAAA4D8AAAAAAADgPwAAAAAAAOA/AAAAAAAA4D8AAAAAAADgPwAAAAAAAOA/AAAAAAAA4D8CAAAAjAAAAAAAAAAAAAAAu+DjDP///wgAAAAAAAAAAAAAAAAAAAAAAAAAAAAAAAAAAAAAZAAAAAEAAABAAAAAAAAAAAAAAAAAAAAAAAAAAAAAAAAAAAAAAAAAAAAAAAAAAAAAAAAAAAAAAAAAAAAAAAAAAAAAAAAAAAAAAAAAAAAAAAAAAAAAAAAAAAAAAAAAAAAAFAAAADwAAAAAAAAAAAAAAAAAAAkUAAAAAQAAABQAAAAUAAAAFAAAAAEAAAAAAAAAZAAAAGQAAAAAAAAAZAAAAGQAAAAVAAAAYAAAAAAAAAAAAAAADwAAACADAAAAAAAAAAAAAAEAAACgMgAAVgcAAKr4//8BAAAAf39/AAEAAABkAAAAAAAAABQAAABAHwAAAAAAACYAAAAAAAAAwOD//wAAAAAmAAAAZAAAABYAAABMAAAAAAAAAAAAAAAEAAAAAAAAAAEAAACAgIAKAAAAACgAAAAoAAAAZAAAAGQAAAAAAAAAzMzMAAAAAABQAAAAUAAAAGQAAABkAAAAAAAAABcAAAAUAAAAAAAAAAAAAAD/fwAA/38AAAAAAAAJAAAABAAAAAAAAAAMAAAAEAAAAAAAAAAAAAAAAAAAAAAAAAAeAAAAaAAAAAAAAAAAAAAAAAAAAAAAAAAAAAAAECcAABAnAAAAAAAAAAAAAAAAAAAAAAAAAAAAAAAAAAAAAAAAAAAAABQAAAAAAAAAwMD/AAAAAABkAAAAMgAAAAAAAABkAAAAAAAAAH9/fwAKAAAAHwAAAFQAAAAAAAAFAAAAAQAAAAAAAAAAAAAAAAAAAAAAAAAAAAAAAAAAAAAAAAAAAAAAAn9/fwAAAAADzMzMAMDA/wB/f38AAAAAAAAAAAAAAAAAAAAAAAAAAAAhAAAAGAAAABQAAADQAgAAGycAAPAPAABZKQAAEAAAACYAAAAIAAAAAAAAAAAAAAA="/>
+                <pr:smNativeData xmlns:pr="smNativeData" val="SMDATA_13_cFGrYxMAAAAlAAAAZAAAAA8BAAAAkAAAAEgAAACQAAAASAAAAAAAAAABAAAAAAAAAAEAAABQAAAAAAAAAAAA4D8AAAAAAADgPwAAAAAAAOA/AAAAAAAA4D8AAAAAAADgPwAAAAAAAOA/AAAAAAAA4D8AAAAAAADgPwAAAAAAAOA/AAAAAAAA4D8CAAAAjAAAAAAAAAAAAAAAu+DjDP///wgAAAAAAAAAAAAAAAAAAAAAAAAAAAAAAAAAAAAAZAAAAAEAAABAAAAAAAAAAAAAAAAAAAAAAAAAAAAAAAAAAAAAAAAAAAAAAAAAAAAAAAAAAAAAAAAAAAAAAAAAAAAAAAAAAAAAAAAAAAAAAAAAAAAAAAAAAAAAAAAAAAAAFAAAADwAAAAAAAAAAAAAAAAAAAkUAAAAAQAAABQAAAAUAAAAFAAAAAEAAAAAAAAAZAAAAGQAAAAAAAAAZAAAAGQAAAAVAAAAYAAAAAAAAAAAAAAADwAAACADAAAAAAAAAAAAAAEAAACgMgAAVgcAAKr4//8BAAAAf39/AAEAAABkAAAAAAAAABQAAABAHwAAAAAAACYAAAAAAAAAwOD//wAAAAAmAAAAZAAAABYAAABMAAAAAAAAAAAAAAAEAAAAAAAAAAEAAACAgIAKAAAAACgAAAAoAAAAZAAAAGQAAAAAAAAAzMzMAAAAAABQAAAAUAAAAGQAAABkAAAAAAAAABcAAAAUAAAAAAAAAAAAAAD/fwAA/38AAAAAAAAJAAAABAAAAAAAAAAMAAAAEAAAAAAAAAAAAAAAAAAAAAAAAAAeAAAAaAAAAAAAAAAAAAAAAAAAAAAAAAAAAAAAECcAABAnAAAAAAAAAAAAAAAAAAAAAAAAAAAAAAAAAAAAAAAAAAAAABQAAAAAAAAAwMD/AAAAAABkAAAAMgAAAAAAAABkAAAAAAAAAH9/fwAKAAAAHwAAAFQAAAAAAAAFAAAAAQAAAAAAAAAAAAAAAAAAAAAAAAAAAAAAAAAAAAAAAAAAAAAAAn9/fwAAAAADzMzMAMDA/wB/f38AAAAAAAAAAAAAAAAAAAAAAAAAAAAhAAAAGAAAABQAAADQAgAAGycAAPAPAABZKQAAEAAAACYAAAAIAAAAAAAAAAAAAAA="/>
               </a:ext>
             </a:extLst>
           </p:cNvSpPr>
@@ -2101,7 +2102,7 @@
           <a:lstStyle/>
           <a:p>
             <a:pPr/>
-            <a:fld id="{2683CC0E-40CB-D63A-853B-B66F827573E3}" type="datetime1">
+            <a:fld id="{21E7B62A-64CC-B240-825F-9215F81174C7}" type="datetime1">
               <a:t/>
             </a:fld>
           </a:p>
@@ -2114,7 +2115,7 @@
             <a:spLocks noGrp="1" noChangeArrowheads="1"/>
             <a:extLst>
               <a:ext uri="smNativeData">
-                <pr:smNativeData xmlns:pr="smNativeData" val="SMDATA_13_5iCqYxMAAAAlAAAAZAAAAA8BAAAAkAAAAEgAAACQAAAASAAAAAAAAAABAAAAAAAAAAEAAABQAAAAAAAAAAAA4D8AAAAAAADgPwAAAAAAAOA/AAAAAAAA4D8AAAAAAADgPwAAAAAAAOA/AAAAAAAA4D8AAAAAAADgPwAAAAAAAOA/AAAAAAAA4D8CAAAAjAAAAAAAAAAAAAAAu+DjDP///wgAAAAAAAAAAAAAAAAAAAAAAAAAAAAAAAAAAAAAZAAAAAEAAABAAAAAAAAAAAAAAAAAAAAAAAAAAAAAAAAAAAAAAAAAAAAAAAAAAAAAAAAAAAAAAAAAAAAAAAAAAAAAAAAAAAAAAAAAAAAAAAAAAAAAAAAAAAAAAAAAAAAAFAAAADwAAAAAAAAAAAAAAAAAAAkUAAAAAQAAABQAAAAUAAAAFAAAAAEAAAAAAAAAZAAAAGQAAAAAAAAAZAAAAGQAAAAVAAAAYAAAAAAAAAAAAAAADwAAACADAAAAAAAAAAAAAAEAAACgMgAAVgcAAKr4//8BAAAAf39/AAEAAABkAAAAAAAAABQAAABAHwAAAAAAACYAAAAAAAAAwOD//wAAAAAmAAAAZAAAABYAAABMAAAAAAAAAAAAAAAEAAAAAAAAAAEAAACAgIAKAAAAACgAAAAoAAAAZAAAAGQAAAAAAAAAzMzMAAAAAABQAAAAUAAAAGQAAABkAAAAAAAAABcAAAAUAAAAAAAAAAAAAAD/fwAA/38AAAAAAAAJAAAABAAAAAAAAAAMAAAAEAAAAAAAAAAAAAAAAAAAAAAAAAAeAAAAaAAAAAAAAAAAAAAAAAAAAAAAAAAAAAAAECcAABAnAAAAAAAAAAAAAAAAAAAAAAAAAAAAAAAAAAAAAAAAAAAAABQAAAAAAAAAwMD/AAAAAABkAAAAMgAAAAAAAABkAAAAAAAAAH9/fwAKAAAAHwAAAFQAAAAAAAAFAAAAAQAAAAAAAAAAAAAAAAAAAAAAAAAAAAAAAAAAAAAAAAAAAAAAAn9/fwAAAAADzMzMAMDA/wB/f38AAAAAAAAAAAAAAAAAAAAAAAAAAAAhAAAAGAAAABQAAAA4EwAAGycAAAglAABZKQAAEAAAACYAAAAIAAAAAAAAAAAAAAA="/>
+                <pr:smNativeData xmlns:pr="smNativeData" val="SMDATA_13_cFGrYxMAAAAlAAAAZAAAAA8BAAAAkAAAAEgAAACQAAAASAAAAAAAAAABAAAAAAAAAAEAAABQAAAAAAAAAAAA4D8AAAAAAADgPwAAAAAAAOA/AAAAAAAA4D8AAAAAAADgPwAAAAAAAOA/AAAAAAAA4D8AAAAAAADgPwAAAAAAAOA/AAAAAAAA4D8CAAAAjAAAAAAAAAAAAAAAu+DjDP///wgAAAAAAAAAAAAAAAAAAAAAAAAAAAAAAAAAAAAAZAAAAAEAAABAAAAAAAAAAAAAAAAAAAAAAAAAAAAAAAAAAAAAAAAAAAAAAAAAAAAAAAAAAAAAAAAAAAAAAAAAAAAAAAAAAAAAAAAAAAAAAAAAAAAAAAAAAAAAAAAAAAAAFAAAADwAAAAAAAAAAAAAAAAAAAkUAAAAAQAAABQAAAAUAAAAFAAAAAEAAAAAAAAAZAAAAGQAAAAAAAAAZAAAAGQAAAAVAAAAYAAAAAAAAAAAAAAADwAAACADAAAAAAAAAAAAAAEAAACgMgAAVgcAAKr4//8BAAAAf39/AAEAAABkAAAAAAAAABQAAABAHwAAAAAAACYAAAAAAAAAwOD//wAAAAAmAAAAZAAAABYAAABMAAAAAAAAAAAAAAAEAAAAAAAAAAEAAACAgIAKAAAAACgAAAAoAAAAZAAAAGQAAAAAAAAAzMzMAAAAAABQAAAAUAAAAGQAAABkAAAAAAAAABcAAAAUAAAAAAAAAAAAAAD/fwAA/38AAAAAAAAJAAAABAAAAAAAAAAMAAAAEAAAAAAAAAAAAAAAAAAAAAAAAAAeAAAAaAAAAAAAAAAAAAAAAAAAAAAAAAAAAAAAECcAABAnAAAAAAAAAAAAAAAAAAAAAAAAAAAAAAAAAAAAAAAAAAAAABQAAAAAAAAAwMD/AAAAAABkAAAAMgAAAAAAAABkAAAAAAAAAH9/fwAKAAAAHwAAAFQAAAAAAAAFAAAAAQAAAAAAAAAAAAAAAAAAAAAAAAAAAAAAAAAAAAAAAAAAAAAAAn9/fwAAAAADzMzMAMDA/wB/f38AAAAAAAAAAAAAAAAAAAAAAAAAAAAhAAAAGAAAABQAAAA4EwAAGycAAAglAABZKQAAEAAAACYAAAAIAAAAAAAAAAAAAAA="/>
               </a:ext>
             </a:extLst>
           </p:cNvSpPr>
@@ -2138,7 +2139,7 @@
             <a:spLocks noGrp="1" noChangeArrowheads="1"/>
             <a:extLst>
               <a:ext uri="smNativeData">
-                <pr:smNativeData xmlns:pr="smNativeData" val="SMDATA_13_5iCqYxMAAAAlAAAAZAAAAA8BAAAAkAAAAEgAAACQAAAASAAAAAAAAAABAAAAAAAAAAEAAABQAAAAAAAAAAAA4D8AAAAAAADgPwAAAAAAAOA/AAAAAAAA4D8AAAAAAADgPwAAAAAAAOA/AAAAAAAA4D8AAAAAAADgPwAAAAAAAOA/AAAAAAAA4D8CAAAAjAAAAAAAAAAAAAAAu+DjDP///wgAAAAAAAAAAAAAAAAAAAAAAAAAAAAAAAAAAAAAZAAAAAEAAABAAAAAAAAAAAAAAAAAAAAAAAAAAAAAAAAAAAAAAAAAAAAAAAAAAAAAAAAAAAAAAAAAAAAAAAAAAAAAAAAAAAAAAAAAAAAAAAAAAAAAAAAAAAAAAAAAAAAAFAAAADwAAAAAAAAAAAAAAAAAAAkUAAAAAQAAABQAAAAUAAAAFAAAAAEAAAAAAAAAZAAAAGQAAAAAAAAAZAAAAGQAAAAVAAAAYAAAAAAAAAAAAAAADwAAACADAAAAAAAAAAAAAAEAAACgMgAAVgcAAKr4//8BAAAAf39/AAEAAABkAAAAAAAAABQAAABAHwAAAAAAACYAAAAAAAAAwOD//wAAAAAmAAAAZAAAABYAAABMAAAAAAAAAAAAAAAEAAAAAAAAAAEAAACAgIAKAAAAACgAAAAoAAAAZAAAAGQAAAAAAAAAzMzMAAAAAABQAAAAUAAAAGQAAABkAAAAAAAAABcAAAAUAAAAAAAAAAAAAAD/fwAA/38AAAAAAAAJAAAABAAAADIAAAAMAAAAEAAAAAAAAAAAAAAAAAAAAAAAAAAeAAAAaAAAAAAAAAAAAAAAAAAAAAAAAAAAAAAAECcAABAnAAAAAAAAAAAAAAAAAAAAAAAAAAAAAAAAAAAAAAAAAAAAABQAAAAAAAAAwMD/AAAAAABkAAAAMgAAAAAAAABkAAAAAAAAAH9/fwAKAAAAHwAAAFQAAAAAAAAFAAAAAQAAAAAAAAAAAAAAAAAAAAAAAAAAAAAAAAAAAAAAAAAAAAAAAn9/fwAAAAADzMzMAMDA/wB/f38AAAAAAAAAAAAAAAAAAAAAAAAAAAAhAAAAGAAAABQAAABQKAAAGycAAHA1AABZKQAAEAAAACYAAAAIAAAAAAAAAAAAAAA="/>
+                <pr:smNativeData xmlns:pr="smNativeData" val="SMDATA_13_cFGrYxMAAAAlAAAAZAAAAA8BAAAAkAAAAEgAAACQAAAASAAAAAAAAAABAAAAAAAAAAEAAABQAAAAAAAAAAAA4D8AAAAAAADgPwAAAAAAAOA/AAAAAAAA4D8AAAAAAADgPwAAAAAAAOA/AAAAAAAA4D8AAAAAAADgPwAAAAAAAOA/AAAAAAAA4D8CAAAAjAAAAAAAAAAAAAAAu+DjDP///wgAAAAAAAAAAAAAAAAAAAAAAAAAAAAAAAAAAAAAZAAAAAEAAABAAAAAAAAAAAAAAAAAAAAAAAAAAAAAAAAAAAAAAAAAAAAAAAAAAAAAAAAAAAAAAAAAAAAAAAAAAAAAAAAAAAAAAAAAAAAAAAAAAAAAAAAAAAAAAAAAAAAAFAAAADwAAAAAAAAAAAAAAAAAAAkUAAAAAQAAABQAAAAUAAAAFAAAAAEAAAAAAAAAZAAAAGQAAAAAAAAAZAAAAGQAAAAVAAAAYAAAAAAAAAAAAAAADwAAACADAAAAAAAAAAAAAAEAAACgMgAAVgcAAKr4//8BAAAAf39/AAEAAABkAAAAAAAAABQAAABAHwAAAAAAACYAAAAAAAAAwOD//wAAAAAmAAAAZAAAABYAAABMAAAAAAAAAAAAAAAEAAAAAAAAAAEAAACAgIAKAAAAACgAAAAoAAAAZAAAAGQAAAAAAAAAzMzMAAAAAABQAAAAUAAAAGQAAABkAAAAAAAAABcAAAAUAAAAAAAAAAAAAAD/fwAA/38AAAAAAAAJAAAABAAAADIAAAAMAAAAEAAAAAAAAAAAAAAAAAAAAAAAAAAeAAAAaAAAAAAAAAAAAAAAAAAAAAAAAAAAAAAAECcAABAnAAAAAAAAAAAAAAAAAAAAAAAAAAAAAAAAAAAAAAAAAAAAABQAAAAAAAAAwMD/AAAAAABkAAAAMgAAAAAAAABkAAAAAAAAAH9/fwAKAAAAHwAAAFQAAAAAAAAFAAAAAQAAAAAAAAAAAAAAAAAAAAAAAAAAAAAAAAAAAAAAAAAAAAAAAn9/fwAAAAADzMzMAMDA/wB/f38AAAAAAAAAAAAAAAAAAAAAAAAAAAAhAAAAGAAAABQAAABQKAAAGycAAHA1AABZKQAAEAAAACYAAAAIAAAAAAAAAAAAAAA="/>
               </a:ext>
             </a:extLst>
           </p:cNvSpPr>
@@ -2152,7 +2153,7 @@
           <a:lstStyle/>
           <a:p>
             <a:pPr/>
-            <a:fld id="{2683A7E0-AECB-D651-853B-5804E975730D}" type="slidenum">
+            <a:fld id="{21E7879D-D3CC-B271-825F-2524C9117470}" type="slidenum">
               <a:t/>
             </a:fld>
           </a:p>
@@ -2190,7 +2191,7 @@
             <a:spLocks noGrp="1" noChangeArrowheads="1"/>
             <a:extLst>
               <a:ext uri="smNativeData">
-                <pr:smNativeData xmlns:pr="smNativeData" val="SMDATA_13_5iCqYxMAAAAlAAAAZAAAAA8BAAAAkAAAAEgAAACQAAAASAAAAAAAAAACAAAAAAAAAAEAAABQAAAAAAAAAAAA4D8AAAAAAADgPwAAAAAAAOA/AAAAAAAA4D8AAAAAAADgPwAAAAAAAOA/AAAAAAAA4D8AAAAAAADgPwAAAAAAAOA/AAAAAAAA4D8CAAAAjAAAAAAAAAAAAAAAu+DjDP///wgAAAAAAAAAAAAAAAAAAAAAAAAAAAAAAAAAAAAAZAAAAAEAAABAAAAAAAAAAAAAAAAAAAAAAAAAAAAAAAAAAAAAAAAAAAAAAAAAAAAAAAAAAAAAAAAAAAAAAAAAAAAAAAAAAAAAAAAAAAAAAAAAAAAAAAAAAAAAAAAAAAAAFAAAADwAAAAAAAAAAAAAAAAAAAkUAAAAAQAAABQAAAAUAAAAFAAAAAEAAAAAAAAAZAAAAGQAAAAAAAAAZAAAAGQAAAAVAAAAYAAAAAAAAAAAAAAADwAAACADAAAAAAAAAAAAAAEAAACgMgAAVgcAAKr4//8BAAAAf39/AAEAAABkAAAAAAAAABQAAABAHwAAAAAAACYAAAAAAAAAwOD//wAAAAAmAAAAZAAAABYAAABMAAAAAAAAAAAAAAAEAAAAAAAAAAEAAACAgIAKAAAAACgAAAAoAAAAZAAAAGQAAAAAAAAAzMzMAAAAAABQAAAAUAAAAGQAAABkAAAAAAAAABcAAAAUAAAAAAAAAAAAAAD/fwAA/38AAAAAAAAJAAAABAAAAAAAAAAMAAAAEAAAAAAAAAAAAAAAAAAAAAAAAAAeAAAAaAAAAAAAAAAAAAAAAAAAAAAAAAAAAAAAECcAABAnAAAAAAAAAAAAAAAAAAAAAAAAAAAAAAAAAAAAAAAAAAAAABQAAAAAAAAAwMD/AAAAAABkAAAAMgAAAAAAAABkAAAAAAAAAH9/fwAKAAAAHwAAAFQAAAAAAAAFAAAAAQAAAAAAAAAAAAAAAAAAAAAAAAAAAAAAAAAAAAAAAAAAAAAAAn9/fwAAAAADzMzMAMDA/wB/f38AAAAAAAAAAAAAAAAAAAAAAAAAAAAhAAAAGAAAABQAAADQAgAArgEAAFIVAADUCAAAEAAAACYAAAAIAAAAgYAAAAAAAAA="/>
+                <pr:smNativeData xmlns:pr="smNativeData" val="SMDATA_13_cFGrYxMAAAAlAAAAZAAAAA8BAAAAkAAAAEgAAACQAAAASAAAAAAAAAACAAAAAAAAAAEAAABQAAAAAAAAAAAA4D8AAAAAAADgPwAAAAAAAOA/AAAAAAAA4D8AAAAAAADgPwAAAAAAAOA/AAAAAAAA4D8AAAAAAADgPwAAAAAAAOA/AAAAAAAA4D8CAAAAjAAAAAAAAAAAAAAAu+DjDP///wgAAAAAAAAAAAAAAAAAAAAAAAAAAAAAAAAAAAAAZAAAAAEAAABAAAAAAAAAAAAAAAAAAAAAAAAAAAAAAAAAAAAAAAAAAAAAAAAAAAAAAAAAAAAAAAAAAAAAAAAAAAAAAAAAAAAAAAAAAAAAAAAAAAAAAAAAAAAAAAAAAAAAFAAAADwAAAAAAAAAAAAAAAAAAAkUAAAAAQAAABQAAAAUAAAAFAAAAAEAAAAAAAAAZAAAAGQAAAAAAAAAZAAAAGQAAAAVAAAAYAAAAAAAAAAAAAAADwAAACADAAAAAAAAAAAAAAEAAACgMgAAVgcAAKr4//8BAAAAf39/AAEAAABkAAAAAAAAABQAAABAHwAAAAAAACYAAAAAAAAAwOD//wAAAAAmAAAAZAAAABYAAABMAAAAAAAAAAAAAAAEAAAAAAAAAAEAAACAgIAKAAAAACgAAAAoAAAAZAAAAGQAAAAAAAAAzMzMAAAAAABQAAAAUAAAAGQAAABkAAAAAAAAABcAAAAUAAAAAAAAAAAAAAD/fwAA/38AAAAAAAAJAAAABAAAAAAAAAAMAAAAEAAAAAAAAAAAAAAAAAAAAAAAAAAeAAAAaAAAAAAAAAAAAAAAAAAAAAAAAAAAAAAAECcAABAnAAAAAAAAAAAAAAAAAAAAAAAAAAAAAAAAAAAAAAAAAAAAABQAAAAAAAAAwMD/AAAAAABkAAAAMgAAAAAAAABkAAAAAAAAAH9/fwAKAAAAHwAAAFQAAAAAAAAFAAAAAQAAAAAAAAAAAAAAAAAAAAAAAAAAAAAAAAAAAAAAAAAAAAAAAn9/fwAAAAADzMzMAMDA/wB/f38AAAAAAAAAAAAAAAAAAAAAAAAAAAAhAAAAGAAAABQAAADQAgAArgEAAFIVAADUCAAAEAAAACYAAAAIAAAAgYAAAAAAAAA="/>
               </a:ext>
             </a:extLst>
           </p:cNvSpPr>
@@ -2230,7 +2231,7 @@
             <a:spLocks noGrp="1" noChangeArrowheads="1"/>
             <a:extLst>
               <a:ext uri="smNativeData">
-                <pr:smNativeData xmlns:pr="smNativeData" val="SMDATA_13_5iCqYxMAAAAlAAAAZAAAAA8BAAAAkAAAAEgAAACQAAAASAAAAAAAAAAAAAAAAAAAAAEAAABQAAAAAAAAAAAA4D8AAAAAAADgPwAAAAAAAOA/AAAAAAAA4D8AAAAAAADgPwAAAAAAAOA/AAAAAAAA4D8AAAAAAADgPwAAAAAAAOA/AAAAAAAA4D8CAAAAjAAAAAAAAAAAAAAAu+DjDP///wgAAAAAAAAAAAAAAAAAAAAAAAAAAAAAAAAAAAAAZAAAAAEAAABAAAAAAAAAAAAAAAAAAAAAAAAAAAAAAAAAAAAAAAAAAAAAAAAAAAAAAAAAAAAAAAAAAAAAAAAAAAAAAAAAAAAAAAAAAAAAAAAAAAAAAAAAAAAAAAAAAAAAFAAAADwAAAAAAAAAAAAAAAAAAAkUAAAAAQAAABQAAAAUAAAAFAAAAAEAAAAAAAAAZAAAAGQAAAAAAAAAZAAAAGQAAAAVAAAAYAAAAAAAAAAAAAAADwAAACADAAAAAAAAAAAAAAEAAACgMgAAVgcAAKr4//8BAAAAf39/AAEAAABkAAAAAAAAABQAAABAHwAAAAAAACYAAAAAAAAAwOD//wAAAAAmAAAAZAAAABYAAABMAAAAAAAAAAAAAAAEAAAAAAAAAAEAAACAgIAKAAAAACgAAAAoAAAAZAAAAGQAAAAAAAAAzMzMAAAAAABQAAAAUAAAAGQAAABkAAAAAAAAABcAAAAUAAAAAAAAAAAAAAD/fwAA/38AAAAAAAAJAAAABAAAADIAATMMAAAAEAAAAAAAAAAAAAAAAAAAAAAAAAAeAAAAaAAAAAAAAAAAAAAAAAAAAAAAAAAAAAAAECcAABAnAAAAAAAAAAAAAAAAAAAAAAAAAAAAAAAAAAAAAAAAAAAAABQAAAAAAAAAwMD/AAAAAABkAAAAMgAAAAAAAABkAAAAAAAAAH9/fwAKAAAAHwAAAFQAAAAAAAAFAAAAAQAAAAAAAAAAAAAAAAAAAAAAAAAAAAAAAAAAAAAAAAAAAAAAAn9/fwAAAAADzMzMAMDA/wB/f38AAAAAAAAAAAAAAAAAAAAAAAAAAAAhAAAAGAAAABQAAAD+FQAArgEAAHA1AACwJQAAEAAAACYAAAAIAAAAAYAAAAAAAAA="/>
+                <pr:smNativeData xmlns:pr="smNativeData" val="SMDATA_13_cFGrYxMAAAAlAAAAZAAAAA8BAAAAkAAAAEgAAACQAAAASAAAAAAAAAAAAAAAAAAAAAEAAABQAAAAAAAAAAAA4D8AAAAAAADgPwAAAAAAAOA/AAAAAAAA4D8AAAAAAADgPwAAAAAAAOA/AAAAAAAA4D8AAAAAAADgPwAAAAAAAOA/AAAAAAAA4D8CAAAAjAAAAAAAAAAAAAAAu+DjDP///wgAAAAAAAAAAAAAAAAAAAAAAAAAAAAAAAAAAAAAZAAAAAEAAABAAAAAAAAAAAAAAAAAAAAAAAAAAAAAAAAAAAAAAAAAAAAAAAAAAAAAAAAAAAAAAAAAAAAAAAAAAAAAAAAAAAAAAAAAAAAAAAAAAAAAAAAAAAAAAAAAAAAAFAAAADwAAAAAAAAAAAAAAAAAAAkUAAAAAQAAABQAAAAUAAAAFAAAAAEAAAAAAAAAZAAAAGQAAAAAAAAAZAAAAGQAAAAVAAAAYAAAAAAAAAAAAAAADwAAACADAAAAAAAAAAAAAAEAAACgMgAAVgcAAKr4//8BAAAAf39/AAEAAABkAAAAAAAAABQAAABAHwAAAAAAACYAAAAAAAAAwOD//wAAAAAmAAAAZAAAABYAAABMAAAAAAAAAAAAAAAEAAAAAAAAAAEAAACAgIAKAAAAACgAAAAoAAAAZAAAAGQAAAAAAAAAzMzMAAAAAABQAAAAUAAAAGQAAABkAAAAAAAAABcAAAAUAAAAAAAAAAAAAAD/fwAA/38AAAAAAAAJAAAABAAAADIAATMMAAAAEAAAAAAAAAAAAAAAAAAAAAAAAAAeAAAAaAAAAAAAAAAAAAAAAAAAAAAAAAAAAAAAECcAABAnAAAAAAAAAAAAAAAAAAAAAAAAAAAAAAAAAAAAAAAAAAAAABQAAAAAAAAAwMD/AAAAAABkAAAAMgAAAAAAAABkAAAAAAAAAH9/fwAKAAAAHwAAAFQAAAAAAAAFAAAAAQAAAAAAAAAAAAAAAAAAAAAAAAAAAAAAAAAAAAAAAAAAAAAAAn9/fwAAAAADzMzMAMDA/wB/f38AAAAAAAAAAAAAAAAAAAAAAAAAAAAhAAAAGAAAABQAAAD+FQAArgEAAHA1AACwJQAAEAAAACYAAAAIAAAAAYAAAAAAAAA="/>
               </a:ext>
             </a:extLst>
           </p:cNvSpPr>
@@ -2314,7 +2315,7 @@
             <a:spLocks noGrp="1" noChangeArrowheads="1"/>
             <a:extLst>
               <a:ext uri="smNativeData">
-                <pr:smNativeData xmlns:pr="smNativeData" val="SMDATA_13_5iCqYxMAAAAlAAAAZAAAAA8BAAAAkAAAAEgAAACQAAAASAAAAAAAAAAAAAAAAAAAAAEAAABQAAAAAAAAAAAA4D8AAAAAAADgPwAAAAAAAOA/AAAAAAAA4D8AAAAAAADgPwAAAAAAAOA/AAAAAAAA4D8AAAAAAADgPwAAAAAAAOA/AAAAAAAA4D8CAAAAjAAAAAAAAAAAAAAAu+DjDP///wgAAAAAAAAAAAAAAAAAAAAAAAAAAAAAAAAAAAAAZAAAAAEAAABAAAAAAAAAAAAAAAAAAAAAAAAAAAAAAAAAAAAAAAAAAAAAAAAAAAAAAAAAAAAAAAAAAAAAAAAAAAAAAAAAAAAAAAAAAAAAAAAAAAAAAAAAAAAAAAAAAAAAFAAAADwAAAAAAAAAAAAAAAAAAAkUAAAAAQAAABQAAAAUAAAAFAAAAAEAAAAAAAAAZAAAAGQAAAAAAAAAZAAAAGQAAAAVAAAAYAAAAAAAAAAAAAAADwAAACADAAAAAAAAAAAAAAEAAACgMgAAVgcAAKr4//8BAAAAf39/AAEAAABkAAAAAAAAABQAAABAHwAAAAAAACYAAAAAAAAAwOD//wAAAAAmAAAAZAAAABYAAABMAAAAAAAAAAAAAAAEAAAAAAAAAAEAAACAgIAKAAAAACgAAAAoAAAAZAAAAGQAAAAAAAAAzMzMAAAAAABQAAAAUAAAAGQAAABkAAAAAAAAABcAAAAUAAAAAAAAAAAAAAD/fwAA/38AAAAAAAAJAAAABAAAAGQAAAAMAAAAEAAAAAAAAAAAAAAAAAAAAAAAAAAeAAAAaAAAAAAAAAAAAAAAAAAAAAAAAAAAAAAAECcAABAnAAAAAAAAAAAAAAAAAAAAAAAAAAAAAAAAAAAAAAAAAAAAABQAAAAAAAAAwMD/AAAAAABkAAAAMgAAAAAAAABkAAAAAAAAAH9/fwAKAAAAHwAAAFQAAAAAAAAFAAAAAQAAAAAAAAAAAAAAAAAAAAAAAAAAAAAAAAAAAAAAAAAAAAAAAn9/fwAAAAADzMzMAMDA/wB/f38AAAAAAAAAAAAAAAAAAAAAAAAAAAAhAAAAGAAAABQAAADQAgAA1AgAAFIVAACwJQAAEAAAACYAAAAIAAAAAYAAAAAAAAA="/>
+                <pr:smNativeData xmlns:pr="smNativeData" val="SMDATA_13_cFGrYxMAAAAlAAAAZAAAAA8BAAAAkAAAAEgAAACQAAAASAAAAAAAAAAAAAAAAAAAAAEAAABQAAAAAAAAAAAA4D8AAAAAAADgPwAAAAAAAOA/AAAAAAAA4D8AAAAAAADgPwAAAAAAAOA/AAAAAAAA4D8AAAAAAADgPwAAAAAAAOA/AAAAAAAA4D8CAAAAjAAAAAAAAAAAAAAAu+DjDP///wgAAAAAAAAAAAAAAAAAAAAAAAAAAAAAAAAAAAAAZAAAAAEAAABAAAAAAAAAAAAAAAAAAAAAAAAAAAAAAAAAAAAAAAAAAAAAAAAAAAAAAAAAAAAAAAAAAAAAAAAAAAAAAAAAAAAAAAAAAAAAAAAAAAAAAAAAAAAAAAAAAAAAFAAAADwAAAAAAAAAAAAAAAAAAAkUAAAAAQAAABQAAAAUAAAAFAAAAAEAAAAAAAAAZAAAAGQAAAAAAAAAZAAAAGQAAAAVAAAAYAAAAAAAAAAAAAAADwAAACADAAAAAAAAAAAAAAEAAACgMgAAVgcAAKr4//8BAAAAf39/AAEAAABkAAAAAAAAABQAAABAHwAAAAAAACYAAAAAAAAAwOD//wAAAAAmAAAAZAAAABYAAABMAAAAAAAAAAAAAAAEAAAAAAAAAAEAAACAgIAKAAAAACgAAAAoAAAAZAAAAGQAAAAAAAAAzMzMAAAAAABQAAAAUAAAAGQAAABkAAAAAAAAABcAAAAUAAAAAAAAAAAAAAD/fwAA/38AAAAAAAAJAAAABAAAAGQAAAAMAAAAEAAAAAAAAAAAAAAAAAAAAAAAAAAeAAAAaAAAAAAAAAAAAAAAAAAAAAAAAAAAAAAAECcAABAnAAAAAAAAAAAAAAAAAAAAAAAAAAAAAAAAAAAAAAAAAAAAABQAAAAAAAAAwMD/AAAAAABkAAAAMgAAAAAAAABkAAAAAAAAAH9/fwAKAAAAHwAAAFQAAAAAAAAFAAAAAQAAAAAAAAAAAAAAAAAAAAAAAAAAAAAAAAAAAAAAAAAAAAAAAn9/fwAAAAADzMzMAMDA/wB/f38AAAAAAAAAAAAAAAAAAAAAAAAAAAAhAAAAGAAAABQAAADQAgAA1AgAAFIVAACwJQAAEAAAACYAAAAIAAAAAYAAAAAAAAA="/>
               </a:ext>
             </a:extLst>
           </p:cNvSpPr>
@@ -2383,7 +2384,7 @@
             <a:spLocks noGrp="1" noChangeArrowheads="1"/>
             <a:extLst>
               <a:ext uri="smNativeData">
-                <pr:smNativeData xmlns:pr="smNativeData" val="SMDATA_13_5iCqYxMAAAAlAAAAZAAAAA8BAAAAkAAAAEgAAACQAAAASAAAAAAAAAABAAAAAAAAAAEAAABQAAAAAAAAAAAA4D8AAAAAAADgPwAAAAAAAOA/AAAAAAAA4D8AAAAAAADgPwAAAAAAAOA/AAAAAAAA4D8AAAAAAADgPwAAAAAAAOA/AAAAAAAA4D8CAAAAjAAAAAAAAAAAAAAAu+DjDP///wgAAAAAAAAAAAAAAAAAAAAAAAAAAAAAAAAAAAAAZAAAAAEAAABAAAAAAAAAAAAAAAAAAAAAAAAAAAAAAAAAAAAAAAAAAAAAAAAAAAAAAAAAAAAAAAAAAAAAAAAAAAAAAAAAAAAAAAAAAAAAAAAAAAAAAAAAAAAAAAAAAAAAFAAAADwAAAAAAAAAAAAAAAAAAAkUAAAAAQAAABQAAAAUAAAAFAAAAAEAAAAAAAAAZAAAAGQAAAAAAAAAZAAAAGQAAAAVAAAAYAAAAAAAAAAAAAAADwAAACADAAAAAAAAAAAAAAEAAACgMgAAVgcAAKr4//8BAAAAf39/AAEAAABkAAAAAAAAABQAAABAHwAAAAAAACYAAAAAAAAAwOD//wAAAAAmAAAAZAAAABYAAABMAAAAAAAAAAAAAAAEAAAAAAAAAAEAAACAgIAKAAAAACgAAAAoAAAAZAAAAGQAAAAAAAAAzMzMAAAAAABQAAAAUAAAAGQAAABkAAAAAAAAABcAAAAUAAAAAAAAAAAAAAD/fwAA/38AAAAAAAAJAAAABAAAAAAAAAAMAAAAEAAAAAAAAAAAAAAAAAAAAAAAAAAeAAAAaAAAAAAAAAAAAAAAAAAAAAAAAAAAAAAAECcAABAnAAAAAAAAAAAAAAAAAAAAAAAAAAAAAAAAAAAAAAAAAAAAABQAAAAAAAAAwMD/AAAAAABkAAAAMgAAAAAAAABkAAAAAAAAAH9/fwAKAAAAHwAAAFQAAAAAAAAFAAAAAQAAAAAAAAAAAAAAAAAAAAAAAAAAAAAAAAAAAAAAAAAAAAAAAn9/fwAAAAADzMzMAMDA/wB/f38AAAAAAAAAAAAAAAAAAAAAAAAAAAAhAAAAGAAAABQAAADQAgAAGycAAPAPAABZKQAAEAAAACYAAAAIAAAAAAAAAAAAAAA="/>
+                <pr:smNativeData xmlns:pr="smNativeData" val="SMDATA_13_cFGrYxMAAAAlAAAAZAAAAA8BAAAAkAAAAEgAAACQAAAASAAAAAAAAAABAAAAAAAAAAEAAABQAAAAAAAAAAAA4D8AAAAAAADgPwAAAAAAAOA/AAAAAAAA4D8AAAAAAADgPwAAAAAAAOA/AAAAAAAA4D8AAAAAAADgPwAAAAAAAOA/AAAAAAAA4D8CAAAAjAAAAAAAAAAAAAAAu+DjDP///wgAAAAAAAAAAAAAAAAAAAAAAAAAAAAAAAAAAAAAZAAAAAEAAABAAAAAAAAAAAAAAAAAAAAAAAAAAAAAAAAAAAAAAAAAAAAAAAAAAAAAAAAAAAAAAAAAAAAAAAAAAAAAAAAAAAAAAAAAAAAAAAAAAAAAAAAAAAAAAAAAAAAAFAAAADwAAAAAAAAAAAAAAAAAAAkUAAAAAQAAABQAAAAUAAAAFAAAAAEAAAAAAAAAZAAAAGQAAAAAAAAAZAAAAGQAAAAVAAAAYAAAAAAAAAAAAAAADwAAACADAAAAAAAAAAAAAAEAAACgMgAAVgcAAKr4//8BAAAAf39/AAEAAABkAAAAAAAAABQAAABAHwAAAAAAACYAAAAAAAAAwOD//wAAAAAmAAAAZAAAABYAAABMAAAAAAAAAAAAAAAEAAAAAAAAAAEAAACAgIAKAAAAACgAAAAoAAAAZAAAAGQAAAAAAAAAzMzMAAAAAABQAAAAUAAAAGQAAABkAAAAAAAAABcAAAAUAAAAAAAAAAAAAAD/fwAA/38AAAAAAAAJAAAABAAAAAAAAAAMAAAAEAAAAAAAAAAAAAAAAAAAAAAAAAAeAAAAaAAAAAAAAAAAAAAAAAAAAAAAAAAAAAAAECcAABAnAAAAAAAAAAAAAAAAAAAAAAAAAAAAAAAAAAAAAAAAAAAAABQAAAAAAAAAwMD/AAAAAABkAAAAMgAAAAAAAABkAAAAAAAAAH9/fwAKAAAAHwAAAFQAAAAAAAAFAAAAAQAAAAAAAAAAAAAAAAAAAAAAAAAAAAAAAAAAAAAAAAAAAAAAAn9/fwAAAAADzMzMAMDA/wB/f38AAAAAAAAAAAAAAAAAAAAAAAAAAAAhAAAAGAAAABQAAADQAgAAGycAAPAPAABZKQAAEAAAACYAAAAIAAAAAAAAAAAAAAA="/>
               </a:ext>
             </a:extLst>
           </p:cNvSpPr>
@@ -2397,7 +2398,7 @@
           <a:lstStyle/>
           <a:p>
             <a:pPr/>
-            <a:fld id="{2683CB99-D7CB-D63D-853B-216885757374}" type="datetime1">
+            <a:fld id="{21E78E5E-10CC-B278-825F-E62DC01174B3}" type="datetime1">
               <a:t/>
             </a:fld>
           </a:p>
@@ -2410,7 +2411,7 @@
             <a:spLocks noGrp="1" noChangeArrowheads="1"/>
             <a:extLst>
               <a:ext uri="smNativeData">
-                <pr:smNativeData xmlns:pr="smNativeData" val="SMDATA_13_5iCqYxMAAAAlAAAAZAAAAA8BAAAAkAAAAEgAAACQAAAASAAAAAAAAAABAAAAAAAAAAEAAABQAAAAAAAAAAAA4D8AAAAAAADgPwAAAAAAAOA/AAAAAAAA4D8AAAAAAADgPwAAAAAAAOA/AAAAAAAA4D8AAAAAAADgPwAAAAAAAOA/AAAAAAAA4D8CAAAAjAAAAAAAAAAAAAAAu+DjDP///wgAAAAAAAAAAAAAAAAAAAAAAAAAAAAAAAAAAAAAZAAAAAEAAABAAAAAAAAAAAAAAAAAAAAAAAAAAAAAAAAAAAAAAAAAAAAAAAAAAAAAAAAAAAAAAAAAAAAAAAAAAAAAAAAAAAAAAAAAAAAAAAAAAAAAAAAAAAAAAAAAAAAAFAAAADwAAAAAAAAAAAAAAAAAAAkUAAAAAQAAABQAAAAUAAAAFAAAAAEAAAAAAAAAZAAAAGQAAAAAAAAAZAAAAGQAAAAVAAAAYAAAAAAAAAAAAAAADwAAACADAAAAAAAAAAAAAAEAAACgMgAAVgcAAKr4//8BAAAAf39/AAEAAABkAAAAAAAAABQAAABAHwAAAAAAACYAAAAAAAAAwOD//wAAAAAmAAAAZAAAABYAAABMAAAAAAAAAAAAAAAEAAAAAAAAAAEAAACAgIAKAAAAACgAAAAoAAAAZAAAAGQAAAAAAAAAzMzMAAAAAABQAAAAUAAAAGQAAABkAAAAAAAAABcAAAAUAAAAAAAAAAAAAAD/fwAA/38AAAAAAAAJAAAABAAAAAAAAAAMAAAAEAAAAAAAAAAAAAAAAAAAAAAAAAAeAAAAaAAAAAAAAAAAAAAAAAAAAAAAAAAAAAAAECcAABAnAAAAAAAAAAAAAAAAAAAAAAAAAAAAAAAAAAAAAAAAAAAAABQAAAAAAAAAwMD/AAAAAABkAAAAMgAAAAAAAABkAAAAAAAAAH9/fwAKAAAAHwAAAFQAAAAAAAAFAAAAAQAAAAAAAAAAAAAAAAAAAAAAAAAAAAAAAAAAAAAAAAAAAAAAAn9/fwAAAAADzMzMAMDA/wB/f38AAAAAAAAAAAAAAAAAAAAAAAAAAAAhAAAAGAAAABQAAAA4EwAAGycAAAglAABZKQAAEAAAACYAAAAIAAAAAAAAAAAAAAA="/>
+                <pr:smNativeData xmlns:pr="smNativeData" val="SMDATA_13_cFGrYxMAAAAlAAAAZAAAAA8BAAAAkAAAAEgAAACQAAAASAAAAAAAAAABAAAAAAAAAAEAAABQAAAAAAAAAAAA4D8AAAAAAADgPwAAAAAAAOA/AAAAAAAA4D8AAAAAAADgPwAAAAAAAOA/AAAAAAAA4D8AAAAAAADgPwAAAAAAAOA/AAAAAAAA4D8CAAAAjAAAAAAAAAAAAAAAu+DjDP///wgAAAAAAAAAAAAAAAAAAAAAAAAAAAAAAAAAAAAAZAAAAAEAAABAAAAAAAAAAAAAAAAAAAAAAAAAAAAAAAAAAAAAAAAAAAAAAAAAAAAAAAAAAAAAAAAAAAAAAAAAAAAAAAAAAAAAAAAAAAAAAAAAAAAAAAAAAAAAAAAAAAAAFAAAADwAAAAAAAAAAAAAAAAAAAkUAAAAAQAAABQAAAAUAAAAFAAAAAEAAAAAAAAAZAAAAGQAAAAAAAAAZAAAAGQAAAAVAAAAYAAAAAAAAAAAAAAADwAAACADAAAAAAAAAAAAAAEAAACgMgAAVgcAAKr4//8BAAAAf39/AAEAAABkAAAAAAAAABQAAABAHwAAAAAAACYAAAAAAAAAwOD//wAAAAAmAAAAZAAAABYAAABMAAAAAAAAAAAAAAAEAAAAAAAAAAEAAACAgIAKAAAAACgAAAAoAAAAZAAAAGQAAAAAAAAAzMzMAAAAAABQAAAAUAAAAGQAAABkAAAAAAAAABcAAAAUAAAAAAAAAAAAAAD/fwAA/38AAAAAAAAJAAAABAAAAAAAAAAMAAAAEAAAAAAAAAAAAAAAAAAAAAAAAAAeAAAAaAAAAAAAAAAAAAAAAAAAAAAAAAAAAAAAECcAABAnAAAAAAAAAAAAAAAAAAAAAAAAAAAAAAAAAAAAAAAAAAAAABQAAAAAAAAAwMD/AAAAAABkAAAAMgAAAAAAAABkAAAAAAAAAH9/fwAKAAAAHwAAAFQAAAAAAAAFAAAAAQAAAAAAAAAAAAAAAAAAAAAAAAAAAAAAAAAAAAAAAAAAAAAAAn9/fwAAAAADzMzMAMDA/wB/f38AAAAAAAAAAAAAAAAAAAAAAAAAAAAhAAAAGAAAABQAAAA4EwAAGycAAAglAABZKQAAEAAAACYAAAAIAAAAAAAAAAAAAAA="/>
               </a:ext>
             </a:extLst>
           </p:cNvSpPr>
@@ -2434,7 +2435,7 @@
             <a:spLocks noGrp="1" noChangeArrowheads="1"/>
             <a:extLst>
               <a:ext uri="smNativeData">
-                <pr:smNativeData xmlns:pr="smNativeData" val="SMDATA_13_5iCqYxMAAAAlAAAAZAAAAA8BAAAAkAAAAEgAAACQAAAASAAAAAAAAAABAAAAAAAAAAEAAABQAAAAAAAAAAAA4D8AAAAAAADgPwAAAAAAAOA/AAAAAAAA4D8AAAAAAADgPwAAAAAAAOA/AAAAAAAA4D8AAAAAAADgPwAAAAAAAOA/AAAAAAAA4D8CAAAAjAAAAAAAAAAAAAAAu+DjDP///wgAAAAAAAAAAAAAAAAAAAAAAAAAAAAAAAAAAAAAZAAAAAEAAABAAAAAAAAAAAAAAAAAAAAAAAAAAAAAAAAAAAAAAAAAAAAAAAAAAAAAAAAAAAAAAAAAAAAAAAAAAAAAAAAAAAAAAAAAAAAAAAAAAAAAAAAAAAAAAAAAAAAAFAAAADwAAAAAAAAAAAAAAAAAAAkUAAAAAQAAABQAAAAUAAAAFAAAAAEAAAAAAAAAZAAAAGQAAAAAAAAAZAAAAGQAAAAVAAAAYAAAAAAAAAAAAAAADwAAACADAAAAAAAAAAAAAAEAAACgMgAAVgcAAKr4//8BAAAAf39/AAEAAABkAAAAAAAAABQAAABAHwAAAAAAACYAAAAAAAAAwOD//wAAAAAmAAAAZAAAABYAAABMAAAAAAAAAAAAAAAEAAAAAAAAAAEAAACAgIAKAAAAACgAAAAoAAAAZAAAAGQAAAAAAAAAzMzMAAAAAABQAAAAUAAAAGQAAABkAAAAAAAAABcAAAAUAAAAAAAAAAAAAAD/fwAA/38AAAAAAAAJAAAABAAAAAAAAAAMAAAAEAAAAAAAAAAAAAAAAAAAAAAAAAAeAAAAaAAAAAAAAAAAAAAAAAAAAAAAAAAAAAAAECcAABAnAAAAAAAAAAAAAAAAAAAAAAAAAAAAAAAAAAAAAAAAAAAAABQAAAAAAAAAwMD/AAAAAABkAAAAMgAAAAAAAABkAAAAAAAAAH9/fwAKAAAAHwAAAFQAAAAAAAAFAAAAAQAAAAAAAAAAAAAAAAAAAAAAAAAAAAAAAAAAAAAAAAAAAAAAAn9/fwAAAAADzMzMAMDA/wB/f38AAAAAAAAAAAAAAAAAAAAAAAAAAAAhAAAAGAAAABQAAABQKAAAGycAAHA1AABZKQAAEAAAACYAAAAIAAAAAAAAAAAAAAA="/>
+                <pr:smNativeData xmlns:pr="smNativeData" val="SMDATA_13_cFGrYxMAAAAlAAAAZAAAAA8BAAAAkAAAAEgAAACQAAAASAAAAAAAAAABAAAAAAAAAAEAAABQAAAAAAAAAAAA4D8AAAAAAADgPwAAAAAAAOA/AAAAAAAA4D8AAAAAAADgPwAAAAAAAOA/AAAAAAAA4D8AAAAAAADgPwAAAAAAAOA/AAAAAAAA4D8CAAAAjAAAAAAAAAAAAAAAu+DjDP///wgAAAAAAAAAAAAAAAAAAAAAAAAAAAAAAAAAAAAAZAAAAAEAAABAAAAAAAAAAAAAAAAAAAAAAAAAAAAAAAAAAAAAAAAAAAAAAAAAAAAAAAAAAAAAAAAAAAAAAAAAAAAAAAAAAAAAAAAAAAAAAAAAAAAAAAAAAAAAAAAAAAAAFAAAADwAAAAAAAAAAAAAAAAAAAkUAAAAAQAAABQAAAAUAAAAFAAAAAEAAAAAAAAAZAAAAGQAAAAAAAAAZAAAAGQAAAAVAAAAYAAAAAAAAAAAAAAADwAAACADAAAAAAAAAAAAAAEAAACgMgAAVgcAAKr4//8BAAAAf39/AAEAAABkAAAAAAAAABQAAABAHwAAAAAAACYAAAAAAAAAwOD//wAAAAAmAAAAZAAAABYAAABMAAAAAAAAAAAAAAAEAAAAAAAAAAEAAACAgIAKAAAAACgAAAAoAAAAZAAAAGQAAAAAAAAAzMzMAAAAAABQAAAAUAAAAGQAAABkAAAAAAAAABcAAAAUAAAAAAAAAAAAAAD/fwAA/38AAAAAAAAJAAAABAAAAAAAAAAMAAAAEAAAAAAAAAAAAAAAAAAAAAAAAAAeAAAAaAAAAAAAAAAAAAAAAAAAAAAAAAAAAAAAECcAABAnAAAAAAAAAAAAAAAAAAAAAAAAAAAAAAAAAAAAAAAAAAAAABQAAAAAAAAAwMD/AAAAAABkAAAAMgAAAAAAAABkAAAAAAAAAH9/fwAKAAAAHwAAAFQAAAAAAAAFAAAAAQAAAAAAAAAAAAAAAAAAAAAAAAAAAAAAAAAAAAAAAAAAAAAAAn9/fwAAAAADzMzMAMDA/wB/f38AAAAAAAAAAAAAAAAAAAAAAAAAAAAhAAAAGAAAABQAAABQKAAAGycAAHA1AABZKQAAEAAAACYAAAAIAAAAAAAAAAAAAAA="/>
               </a:ext>
             </a:extLst>
           </p:cNvSpPr>
@@ -2448,7 +2449,7 @@
           <a:lstStyle/>
           <a:p>
             <a:pPr/>
-            <a:fld id="{2683F730-7ECB-D601-853B-8854B97573DD}" type="slidenum">
+            <a:fld id="{21E7FD34-7ACC-B20B-825F-8C5EB31174D9}" type="slidenum">
               <a:t/>
             </a:fld>
           </a:p>
@@ -2486,7 +2487,7 @@
             <a:spLocks noGrp="1" noChangeArrowheads="1"/>
             <a:extLst>
               <a:ext uri="smNativeData">
-                <pr:smNativeData xmlns:pr="smNativeData" val="SMDATA_13_5iCqYxMAAAAlAAAAZAAAAA8BAAAAkAAAAEgAAACQAAAASAAAAAAAAAACAAAAAAAAAAEAAABQAAAAAAAAAAAA4D8AAAAAAADgPwAAAAAAAOA/AAAAAAAA4D8AAAAAAADgPwAAAAAAAOA/AAAAAAAA4D8AAAAAAADgPwAAAAAAAOA/AAAAAAAA4D8CAAAAjAAAAAAAAAAAAAAAu+DjDP///wgAAAAAAAAAAAAAAAAAAAAAAAAAAAAAAAAAAAAAZAAAAAEAAABAAAAAAAAAAAAAAAAAAAAAAAAAAAAAAAAAAAAAAAAAAAAAAAAAAAAAAAAAAAAAAAAAAAAAAAAAAAAAAAAAAAAAAAAAAAAAAAAAAAAAAAAAAAAAAAAAAAAAFAAAADwAAAAAAAAAAAAAAAAAAAkUAAAAAQAAABQAAAAUAAAAFAAAAAEAAAAAAAAAZAAAAGQAAAAAAAAAZAAAAGQAAAAVAAAAYAAAAAAAAAAAAAAADwAAACADAAAAAAAAAAAAAAEAAACgMgAAVgcAAKr4//8BAAAAf39/AAEAAABkAAAAAAAAABQAAABAHwAAAAAAACYAAAAAAAAAwOD//wAAAAAmAAAAZAAAABYAAABMAAAAAAAAAAAAAAAEAAAAAAAAAAEAAACAgIAKAAAAACgAAAAoAAAAZAAAAGQAAAAAAAAAzMzMAAAAAABQAAAAUAAAAGQAAABkAAAAAAAAABcAAAAUAAAAAAAAAAAAAAD/fwAA/38AAAAAAAAJAAAABAAAAH9/fwAMAAAAEAAAAAAAAAAAAAAAAAAAAAAAAAAeAAAAaAAAAAAAAAAAAAAAAAAAAAAAAAAAAAAAECcAABAnAAAAAAAAAAAAAAAAAAAAAAAAAAAAAAAAAAAAAAAAAAAAABQAAAAAAAAAwMD/AAAAAABkAAAAMgAAAAAAAABkAAAAAAAAAH9/fwAKAAAAHwAAAFQAAAAAAAAFAAAAAQAAAAAAAAAAAAAAAAAAAAAAAAAAAAAAAAAAAAAAAAAAAAAAAn9/fwAAAAADzMzMAMDA/wB/f38AAAAAAAAAAAAAAAAAAAAAAAAAAAAhAAAAGAAAABQAAAAGCwAAiB0AAMYsAAAEIQAAEAAAACYAAAAIAAAAgYAAAAAAAAA="/>
+                <pr:smNativeData xmlns:pr="smNativeData" val="SMDATA_13_cFGrYxMAAAAlAAAAZAAAAA8BAAAAkAAAAEgAAACQAAAASAAAAAAAAAACAAAAAAAAAAEAAABQAAAAAAAAAAAA4D8AAAAAAADgPwAAAAAAAOA/AAAAAAAA4D8AAAAAAADgPwAAAAAAAOA/AAAAAAAA4D8AAAAAAADgPwAAAAAAAOA/AAAAAAAA4D8CAAAAjAAAAAAAAAAAAAAAu+DjDP///wgAAAAAAAAAAAAAAAAAAAAAAAAAAAAAAAAAAAAAZAAAAAEAAABAAAAAAAAAAAAAAAAAAAAAAAAAAAAAAAAAAAAAAAAAAAAAAAAAAAAAAAAAAAAAAAAAAAAAAAAAAAAAAAAAAAAAAAAAAAAAAAAAAAAAAAAAAAAAAAAAAAAAFAAAADwAAAAAAAAAAAAAAAAAAAkUAAAAAQAAABQAAAAUAAAAFAAAAAEAAAAAAAAAZAAAAGQAAAAAAAAAZAAAAGQAAAAVAAAAYAAAAAAAAAAAAAAADwAAACADAAAAAAAAAAAAAAEAAACgMgAAVgcAAKr4//8BAAAAf39/AAEAAABkAAAAAAAAABQAAABAHwAAAAAAACYAAAAAAAAAwOD//wAAAAAmAAAAZAAAABYAAABMAAAAAAAAAAAAAAAEAAAAAAAAAAEAAACAgIAKAAAAACgAAAAoAAAAZAAAAGQAAAAAAAAAzMzMAAAAAABQAAAAUAAAAGQAAABkAAAAAAAAABcAAAAUAAAAAAAAAAAAAAD/fwAA/38AAAAAAAAJAAAABAAAAH9/fwAMAAAAEAAAAAAAAAAAAAAAAAAAAAAAAAAeAAAAaAAAAAAAAAAAAAAAAAAAAAAAAAAAAAAAECcAABAnAAAAAAAAAAAAAAAAAAAAAAAAAAAAAAAAAAAAAAAAAAAAABQAAAAAAAAAwMD/AAAAAABkAAAAMgAAAAAAAABkAAAAAAAAAH9/fwAKAAAAHwAAAFQAAAAAAAAFAAAAAQAAAAAAAAAAAAAAAAAAAAAAAAAAAAAAAAAAAAAAAAAAAAAAAn9/fwAAAAADzMzMAMDA/wB/f38AAAAAAAAAAAAAAAAAAAAAAAAAAAAhAAAAGAAAABQAAAAGCwAAiB0AAMYsAAAEIQAAEAAAACYAAAAIAAAAgYAAAAAAAAA="/>
               </a:ext>
             </a:extLst>
           </p:cNvSpPr>
@@ -2526,7 +2527,7 @@
             <a:spLocks noGrp="1" noChangeArrowheads="1"/>
             <a:extLst>
               <a:ext uri="smNativeData">
-                <pr:smNativeData xmlns:pr="smNativeData" val="SMDATA_13_5iCqYxMAAAAlAAAAZAAAAA8BAAAAkAAAAEgAAACQAAAASAAAAAAAAAAAAAAAAAAAAAEAAABQAAAAAAAAAAAA4D8AAAAAAADgPwAAAAAAAOA/AAAAAAAA4D8AAAAAAADgPwAAAAAAAOA/AAAAAAAA4D8AAAAAAADgPwAAAAAAAOA/AAAAAAAA4D8CAAAAjAAAAAAAAAAAAAAAu+DjDP///wgAAAAAAAAAAAAAAAAAAAAAAAAAAAAAAAAAAAAAZAAAAAEAAABAAAAAAAAAAAAAAAAAAAAAAAAAAAAAAAAAAAAAAAAAAAAAAAAAAAAAAAAAAAAAAAAAAAAAAAAAAAAAAAAAAAAAAAAAAAAAAAAAAAAAAAAAAAAAAAAAAAAAFAAAADwAAAAAAAAAAAAAAAAAAAkUAAAAAQAAABQAAAAUAAAAFAAAAAEAAAAAAAAAZAAAAGQAAAAAAAAAZAAAAGQAAAAVAAAAYAAAAAAAAAAAAAAADwAAACADAAAAAAAAAAAAAAEAAACgMgAAVgcAAKr4//8BAAAAf39/AAEAAABkAAAAAAAAABQAAABAHwAAAAAAACYAAAAAAAAAwOD//wAAAAAmAAAAZAAAABYAAABMAAAAAAAAAAAAAAAEAAAAAAAAAAEAAACAgIAKAAAAACgAAAAoAAAAZAAAAGQAAAAAAAAAzMzMAAAAAABQAAAAUAAAAGQAAABkAAAAAAAAABcAAAAUAAAAAAAAAAAAAAD/fwAA/38AAAAAAAAJAAAABAAAAAAAAAAMAAAAEAAAAAAAAAAAAAAAAAAAAAAAAAAeAAAAaAAAAAAAAAAAAAAAAAAAAAAAAAAAAAAAECcAABAnAAAAAAAAAAAAAAAAAAAAAAAAAAAAAAAAAAAAAAAAAAAAABQAAAAAAAAAwMD/AAAAAABkAAAAMgAAAAAAAABkAAAAAAAAAH9/fwAKAAAAHwAAAFQAAAAAAAAFAAAAAQAAAAAAAAAAAAAAAAAAAAAAAAAAAAAAAAAAAAAAAAAAAAAAAn9/fwAAAAADzMzMAMDA/wB/f38AAAAAAAAAAAAAAAAAAAAAAAAAAAAhAAAAGAAAABQAAAAGCwAAxgMAAMYsAAAWHQAAEAAAACYAAAAIAAAAAYAAAAAAAAA="/>
+                <pr:smNativeData xmlns:pr="smNativeData" val="SMDATA_13_cFGrYxMAAAAlAAAAZAAAAA8BAAAAkAAAAEgAAACQAAAASAAAAAAAAAAAAAAAAAAAAAEAAABQAAAAAAAAAAAA4D8AAAAAAADgPwAAAAAAAOA/AAAAAAAA4D8AAAAAAADgPwAAAAAAAOA/AAAAAAAA4D8AAAAAAADgPwAAAAAAAOA/AAAAAAAA4D8CAAAAjAAAAAAAAAAAAAAAu+DjDP///wgAAAAAAAAAAAAAAAAAAAAAAAAAAAAAAAAAAAAAZAAAAAEAAABAAAAAAAAAAAAAAAAAAAAAAAAAAAAAAAAAAAAAAAAAAAAAAAAAAAAAAAAAAAAAAAAAAAAAAAAAAAAAAAAAAAAAAAAAAAAAAAAAAAAAAAAAAAAAAAAAAAAAFAAAADwAAAAAAAAAAAAAAAAAAAkUAAAAAQAAABQAAAAUAAAAFAAAAAEAAAAAAAAAZAAAAGQAAAAAAAAAZAAAAGQAAAAVAAAAYAAAAAAAAAAAAAAADwAAACADAAAAAAAAAAAAAAEAAACgMgAAVgcAAKr4//8BAAAAf39/AAEAAABkAAAAAAAAABQAAABAHwAAAAAAACYAAAAAAAAAwOD//wAAAAAmAAAAZAAAABYAAABMAAAAAAAAAAAAAAAEAAAAAAAAAAEAAACAgIAKAAAAACgAAAAoAAAAZAAAAGQAAAAAAAAAzMzMAAAAAABQAAAAUAAAAGQAAABkAAAAAAAAABcAAAAUAAAAAAAAAAAAAAD/fwAA/38AAAAAAAAJAAAABAAAAAAAAAAMAAAAEAAAAAAAAAAAAAAAAAAAAAAAAAAeAAAAaAAAAAAAAAAAAAAAAAAAAAAAAAAAAAAAECcAABAnAAAAAAAAAAAAAAAAAAAAAAAAAAAAAAAAAAAAAAAAAAAAABQAAAAAAAAAwMD/AAAAAABkAAAAMgAAAAAAAABkAAAAAAAAAH9/fwAKAAAAHwAAAFQAAAAAAAAFAAAAAQAAAAAAAAAAAAAAAAAAAAAAAAAAAAAAAAAAAAAAAAAAAAAAAn9/fwAAAAADzMzMAMDA/wB/f38AAAAAAAAAAAAAAAAAAAAAAAAAAAAhAAAAGAAAABQAAAAGCwAAxgMAAMYsAAAWHQAAEAAAACYAAAAIAAAAAYAAAAAAAAA="/>
               </a:ext>
             </a:extLst>
           </p:cNvSpPr>
@@ -2595,7 +2596,7 @@
             <a:spLocks noGrp="1" noChangeArrowheads="1"/>
             <a:extLst>
               <a:ext uri="smNativeData">
-                <pr:smNativeData xmlns:pr="smNativeData" val="SMDATA_13_5iCqYxMAAAAlAAAAZAAAAA8BAAAAkAAAAEgAAACQAAAASAAAAAAAAAAAAAAAAAAAAAEAAABQAAAAAAAAAAAA4D8AAAAAAADgPwAAAAAAAOA/AAAAAAAA4D8AAAAAAADgPwAAAAAAAOA/AAAAAAAA4D8AAAAAAADgPwAAAAAAAOA/AAAAAAAA4D8CAAAAjAAAAAAAAAAAAAAAu+DjDP///wgAAAAAAAAAAAAAAAAAAAAAAAAAAAAAAAAAAAAAZAAAAAEAAABAAAAAAAAAAAAAAAAAAAAAAAAAAAAAAAAAAAAAAAAAAAAAAAAAAAAAAAAAAAAAAAAAAAAAAAAAAAAAAAAAAAAAAAAAAAAAAAAAAAAAAAAAAAAAAAAAAAAAFAAAADwAAAAAAAAAAAAAAAAAAAkUAAAAAQAAABQAAAAUAAAAFAAAAAEAAAAAAAAAZAAAAGQAAAAAAAAAZAAAAGQAAAAVAAAAYAAAAAAAAAAAAAAADwAAACADAAAAAAAAAAAAAAEAAACgMgAAVgcAAKr4//8BAAAAf39/AAEAAABkAAAAAAAAABQAAABAHwAAAAAAACYAAAAAAAAAwOD//wAAAAAmAAAAZAAAABYAAABMAAAAAAAAAAAAAAAEAAAAAAAAAAEAAACAgIAKAAAAACgAAAAoAAAAZAAAAGQAAAAAAAAAzMzMAAAAAABQAAAAUAAAAGQAAABkAAAAAAAAABcAAAAUAAAAAAAAAAAAAAD/fwAA/38AAAAAAAAJAAAABAAAAAAAAAAMAAAAEAAAAAAAAAAAAAAAAAAAAAAAAAAeAAAAaAAAAAAAAAAAAAAAAAAAAAAAAAAAAAAAECcAABAnAAAAAAAAAAAAAAAAAAAAAAAAAAAAAAAAAAAAAAAAAAAAABQAAAAAAAAAwMD/AAAAAABkAAAAMgAAAAAAAABkAAAAAAAAAH9/fwAKAAAAHwAAAFQAAAAAAAAFAAAAAQAAAAAAAAAAAAAAAAAAAAAAAAAAAAAAAAAAAAAAAAAAAAAAAn9/fwAAAAADzMzMAMDA/wB/f38AAAAAAAAAAAAAAAAAAAAAAAAAAAAhAAAAGAAAABQAAAAGCwAABCEAAMYsAAD4JQAAEAAAACYAAAAIAAAAAYAAAAAAAAA="/>
+                <pr:smNativeData xmlns:pr="smNativeData" val="SMDATA_13_cFGrYxMAAAAlAAAAZAAAAA8BAAAAkAAAAEgAAACQAAAASAAAAAAAAAAAAAAAAAAAAAEAAABQAAAAAAAAAAAA4D8AAAAAAADgPwAAAAAAAOA/AAAAAAAA4D8AAAAAAADgPwAAAAAAAOA/AAAAAAAA4D8AAAAAAADgPwAAAAAAAOA/AAAAAAAA4D8CAAAAjAAAAAAAAAAAAAAAu+DjDP///wgAAAAAAAAAAAAAAAAAAAAAAAAAAAAAAAAAAAAAZAAAAAEAAABAAAAAAAAAAAAAAAAAAAAAAAAAAAAAAAAAAAAAAAAAAAAAAAAAAAAAAAAAAAAAAAAAAAAAAAAAAAAAAAAAAAAAAAAAAAAAAAAAAAAAAAAAAAAAAAAAAAAAFAAAADwAAAAAAAAAAAAAAAAAAAkUAAAAAQAAABQAAAAUAAAAFAAAAAEAAAAAAAAAZAAAAGQAAAAAAAAAZAAAAGQAAAAVAAAAYAAAAAAAAAAAAAAADwAAACADAAAAAAAAAAAAAAEAAACgMgAAVgcAAKr4//8BAAAAf39/AAEAAABkAAAAAAAAABQAAABAHwAAAAAAACYAAAAAAAAAwOD//wAAAAAmAAAAZAAAABYAAABMAAAAAAAAAAAAAAAEAAAAAAAAAAEAAACAgIAKAAAAACgAAAAoAAAAZAAAAGQAAAAAAAAAzMzMAAAAAABQAAAAUAAAAGQAAABkAAAAAAAAABcAAAAUAAAAAAAAAAAAAAD/fwAA/38AAAAAAAAJAAAABAAAAAAAAAAMAAAAEAAAAAAAAAAAAAAAAAAAAAAAAAAeAAAAaAAAAAAAAAAAAAAAAAAAAAAAAAAAAAAAECcAABAnAAAAAAAAAAAAAAAAAAAAAAAAAAAAAAAAAAAAAAAAAAAAABQAAAAAAAAAwMD/AAAAAABkAAAAMgAAAAAAAABkAAAAAAAAAH9/fwAKAAAAHwAAAFQAAAAAAAAFAAAAAQAAAAAAAAAAAAAAAAAAAAAAAAAAAAAAAAAAAAAAAAAAAAAAAn9/fwAAAAADzMzMAMDA/wB/f38AAAAAAAAAAAAAAAAAAAAAAAAAAAAhAAAAGAAAABQAAAAGCwAABCEAAMYsAAD4JQAAEAAAACYAAAAIAAAAAYAAAAAAAAA="/>
               </a:ext>
             </a:extLst>
           </p:cNvSpPr>
@@ -2664,7 +2665,7 @@
             <a:spLocks noGrp="1" noChangeArrowheads="1"/>
             <a:extLst>
               <a:ext uri="smNativeData">
-                <pr:smNativeData xmlns:pr="smNativeData" val="SMDATA_13_5iCqYxMAAAAlAAAAZAAAAA8BAAAAkAAAAEgAAACQAAAASAAAAAAAAAABAAAAAAAAAAEAAABQAAAAAAAAAAAA4D8AAAAAAADgPwAAAAAAAOA/AAAAAAAA4D8AAAAAAADgPwAAAAAAAOA/AAAAAAAA4D8AAAAAAADgPwAAAAAAAOA/AAAAAAAA4D8CAAAAjAAAAAAAAAAAAAAAu+DjDP///wgAAAAAAAAAAAAAAAAAAAAAAAAAAAAAAAAAAAAAZAAAAAEAAABAAAAAAAAAAAAAAAAAAAAAAAAAAAAAAAAAAAAAAAAAAAAAAAAAAAAAAAAAAAAAAAAAAAAAAAAAAAAAAAAAAAAAAAAAAAAAAAAAAAAAAAAAAAAAAAAAAAAAFAAAADwAAAAAAAAAAAAAAAAAAAkUAAAAAQAAABQAAAAUAAAAFAAAAAEAAAAAAAAAZAAAAGQAAAAAAAAAZAAAAGQAAAAVAAAAYAAAAAAAAAAAAAAADwAAACADAAAAAAAAAAAAAAEAAACgMgAAVgcAAKr4//8BAAAAf39/AAEAAABkAAAAAAAAABQAAABAHwAAAAAAACYAAAAAAAAAwOD//wAAAAAmAAAAZAAAABYAAABMAAAAAAAAAAAAAAAEAAAAAAAAAAEAAACAgIAKAAAAACgAAAAoAAAAZAAAAGQAAAAAAAAAzMzMAAAAAABQAAAAUAAAAGQAAABkAAAAAAAAABcAAAAUAAAAAAAAAAAAAAD/fwAA/38AAAAAAAAJAAAABAAAAAAAAAAMAAAAEAAAAAAAAAAAAAAAAAAAAAAAAAAeAAAAaAAAAAAAAAAAAAAAAAAAAAAAAAAAAAAAECcAABAnAAAAAAAAAAAAAAAAAAAAAAAAAAAAAAAAAAAAAAAAAAAAABQAAAAAAAAAwMD/AAAAAABkAAAAMgAAAAAAAABkAAAAAAAAAH9/fwAKAAAAHwAAAFQAAAAAAAAFAAAAAQAAAAAAAAAAAAAAAAAAAAAAAAAAAAAAAAAAAAAAAAAAAAAAAn9/fwAAAAADzMzMAMDA/wB/f38AAAAAAAAAAAAAAAAAAAAAAAAAAAAhAAAAGAAAABQAAADQAgAAGycAAPAPAABZKQAAEAAAACYAAAAIAAAAAAAAAAAAAAA="/>
+                <pr:smNativeData xmlns:pr="smNativeData" val="SMDATA_13_cFGrYxMAAAAlAAAAZAAAAA8BAAAAkAAAAEgAAACQAAAASAAAAAAAAAABAAAAAAAAAAEAAABQAAAAAAAAAAAA4D8AAAAAAADgPwAAAAAAAOA/AAAAAAAA4D8AAAAAAADgPwAAAAAAAOA/AAAAAAAA4D8AAAAAAADgPwAAAAAAAOA/AAAAAAAA4D8CAAAAjAAAAAAAAAAAAAAAu+DjDP///wgAAAAAAAAAAAAAAAAAAAAAAAAAAAAAAAAAAAAAZAAAAAEAAABAAAAAAAAAAAAAAAAAAAAAAAAAAAAAAAAAAAAAAAAAAAAAAAAAAAAAAAAAAAAAAAAAAAAAAAAAAAAAAAAAAAAAAAAAAAAAAAAAAAAAAAAAAAAAAAAAAAAAFAAAADwAAAAAAAAAAAAAAAAAAAkUAAAAAQAAABQAAAAUAAAAFAAAAAEAAAAAAAAAZAAAAGQAAAAAAAAAZAAAAGQAAAAVAAAAYAAAAAAAAAAAAAAADwAAACADAAAAAAAAAAAAAAEAAACgMgAAVgcAAKr4//8BAAAAf39/AAEAAABkAAAAAAAAABQAAABAHwAAAAAAACYAAAAAAAAAwOD//wAAAAAmAAAAZAAAABYAAABMAAAAAAAAAAAAAAAEAAAAAAAAAAEAAACAgIAKAAAAACgAAAAoAAAAZAAAAGQAAAAAAAAAzMzMAAAAAABQAAAAUAAAAGQAAABkAAAAAAAAABcAAAAUAAAAAAAAAAAAAAD/fwAA/38AAAAAAAAJAAAABAAAAAAAAAAMAAAAEAAAAAAAAAAAAAAAAAAAAAAAAAAeAAAAaAAAAAAAAAAAAAAAAAAAAAAAAAAAAAAAECcAABAnAAAAAAAAAAAAAAAAAAAAAAAAAAAAAAAAAAAAAAAAAAAAABQAAAAAAAAAwMD/AAAAAABkAAAAMgAAAAAAAABkAAAAAAAAAH9/fwAKAAAAHwAAAFQAAAAAAAAFAAAAAQAAAAAAAAAAAAAAAAAAAAAAAAAAAAAAAAAAAAAAAAAAAAAAAn9/fwAAAAADzMzMAMDA/wB/f38AAAAAAAAAAAAAAAAAAAAAAAAAAAAhAAAAGAAAABQAAADQAgAAGycAAPAPAABZKQAAEAAAACYAAAAIAAAAAAAAAAAAAAA="/>
               </a:ext>
             </a:extLst>
           </p:cNvSpPr>
@@ -2678,7 +2679,7 @@
           <a:lstStyle/>
           <a:p>
             <a:pPr/>
-            <a:fld id="{2683CFAE-E0CB-D639-853B-166C81757343}" type="datetime1">
+            <a:fld id="{21E7DAD6-98CC-B22C-825F-6E799411743B}" type="datetime1">
               <a:t/>
             </a:fld>
           </a:p>
@@ -2691,7 +2692,7 @@
             <a:spLocks noGrp="1" noChangeArrowheads="1"/>
             <a:extLst>
               <a:ext uri="smNativeData">
-                <pr:smNativeData xmlns:pr="smNativeData" val="SMDATA_13_5iCqYxMAAAAlAAAAZAAAAA8BAAAAkAAAAEgAAACQAAAASAAAAAAAAAABAAAAAAAAAAEAAABQAAAAAAAAAAAA4D8AAAAAAADgPwAAAAAAAOA/AAAAAAAA4D8AAAAAAADgPwAAAAAAAOA/AAAAAAAA4D8AAAAAAADgPwAAAAAAAOA/AAAAAAAA4D8CAAAAjAAAAAAAAAAAAAAAu+DjDP///wgAAAAAAAAAAAAAAAAAAAAAAAAAAAAAAAAAAAAAZAAAAAEAAABAAAAAAAAAAAAAAAAAAAAAAAAAAAAAAAAAAAAAAAAAAAAAAAAAAAAAAAAAAAAAAAAAAAAAAAAAAAAAAAAAAAAAAAAAAAAAAAAAAAAAAAAAAAAAAAAAAAAAFAAAADwAAAAAAAAAAAAAAAAAAAkUAAAAAQAAABQAAAAUAAAAFAAAAAEAAAAAAAAAZAAAAGQAAAAAAAAAZAAAAGQAAAAVAAAAYAAAAAAAAAAAAAAADwAAACADAAAAAAAAAAAAAAEAAACgMgAAVgcAAKr4//8BAAAAf39/AAEAAABkAAAAAAAAABQAAABAHwAAAAAAACYAAAAAAAAAwOD//wAAAAAmAAAAZAAAABYAAABMAAAAAAAAAAAAAAAEAAAAAAAAAAEAAACAgIAKAAAAACgAAAAoAAAAZAAAAGQAAAAAAAAAzMzMAAAAAABQAAAAUAAAAGQAAABkAAAAAAAAABcAAAAUAAAAAAAAAAAAAAD/fwAA/38AAAAAAAAJAAAABAAAAAAAAAAMAAAAEAAAAAAAAAAAAAAAAAAAAAAAAAAeAAAAaAAAAAAAAAAAAAAAAAAAAAAAAAAAAAAAECcAABAnAAAAAAAAAAAAAAAAAAAAAAAAAAAAAAAAAAAAAAAAAAAAABQAAAAAAAAAwMD/AAAAAABkAAAAMgAAAAAAAABkAAAAAAAAAH9/fwAKAAAAHwAAAFQAAAAAAAAFAAAAAQAAAAAAAAAAAAAAAAAAAAAAAAAAAAAAAAAAAAAAAAAAAAAAAn9/fwAAAAADzMzMAMDA/wB/f38AAAAAAAAAAAAAAAAAAAAAAAAAAAAhAAAAGAAAABQAAAA4EwAAGycAAAglAABZKQAAEAAAACYAAAAIAAAAAAAAAAAAAAA="/>
+                <pr:smNativeData xmlns:pr="smNativeData" val="SMDATA_13_cFGrYxMAAAAlAAAAZAAAAA8BAAAAkAAAAEgAAACQAAAASAAAAAAAAAABAAAAAAAAAAEAAABQAAAAAAAAAAAA4D8AAAAAAADgPwAAAAAAAOA/AAAAAAAA4D8AAAAAAADgPwAAAAAAAOA/AAAAAAAA4D8AAAAAAADgPwAAAAAAAOA/AAAAAAAA4D8CAAAAjAAAAAAAAAAAAAAAu+DjDP///wgAAAAAAAAAAAAAAAAAAAAAAAAAAAAAAAAAAAAAZAAAAAEAAABAAAAAAAAAAAAAAAAAAAAAAAAAAAAAAAAAAAAAAAAAAAAAAAAAAAAAAAAAAAAAAAAAAAAAAAAAAAAAAAAAAAAAAAAAAAAAAAAAAAAAAAAAAAAAAAAAAAAAFAAAADwAAAAAAAAAAAAAAAAAAAkUAAAAAQAAABQAAAAUAAAAFAAAAAEAAAAAAAAAZAAAAGQAAAAAAAAAZAAAAGQAAAAVAAAAYAAAAAAAAAAAAAAADwAAACADAAAAAAAAAAAAAAEAAACgMgAAVgcAAKr4//8BAAAAf39/AAEAAABkAAAAAAAAABQAAABAHwAAAAAAACYAAAAAAAAAwOD//wAAAAAmAAAAZAAAABYAAABMAAAAAAAAAAAAAAAEAAAAAAAAAAEAAACAgIAKAAAAACgAAAAoAAAAZAAAAGQAAAAAAAAAzMzMAAAAAABQAAAAUAAAAGQAAABkAAAAAAAAABcAAAAUAAAAAAAAAAAAAAD/fwAA/38AAAAAAAAJAAAABAAAAAAAAAAMAAAAEAAAAAAAAAAAAAAAAAAAAAAAAAAeAAAAaAAAAAAAAAAAAAAAAAAAAAAAAAAAAAAAECcAABAnAAAAAAAAAAAAAAAAAAAAAAAAAAAAAAAAAAAAAAAAAAAAABQAAAAAAAAAwMD/AAAAAABkAAAAMgAAAAAAAABkAAAAAAAAAH9/fwAKAAAAHwAAAFQAAAAAAAAFAAAAAQAAAAAAAAAAAAAAAAAAAAAAAAAAAAAAAAAAAAAAAAAAAAAAAn9/fwAAAAADzMzMAMDA/wB/f38AAAAAAAAAAAAAAAAAAAAAAAAAAAAhAAAAGAAAABQAAAA4EwAAGycAAAglAABZKQAAEAAAACYAAAAIAAAAAAAAAAAAAAA="/>
               </a:ext>
             </a:extLst>
           </p:cNvSpPr>
@@ -2715,7 +2716,7 @@
             <a:spLocks noGrp="1" noChangeArrowheads="1"/>
             <a:extLst>
               <a:ext uri="smNativeData">
-                <pr:smNativeData xmlns:pr="smNativeData" val="SMDATA_13_5iCqYxMAAAAlAAAAZAAAAA8BAAAAkAAAAEgAAACQAAAASAAAAAAAAAABAAAAAAAAAAEAAABQAAAAAAAAAAAA4D8AAAAAAADgPwAAAAAAAOA/AAAAAAAA4D8AAAAAAADgPwAAAAAAAOA/AAAAAAAA4D8AAAAAAADgPwAAAAAAAOA/AAAAAAAA4D8CAAAAjAAAAAAAAAAAAAAAu+DjDP///wgAAAAAAAAAAAAAAAAAAAAAAAAAAAAAAAAAAAAAZAAAAAEAAABAAAAAAAAAAAAAAAAAAAAAAAAAAAAAAAAAAAAAAAAAAAAAAAAAAAAAAAAAAAAAAAAAAAAAAAAAAAAAAAAAAAAAAAAAAAAAAAAAAAAAAAAAAAAAAAAAAAAAFAAAADwAAAAAAAAAAAAAAAAAAAkUAAAAAQAAABQAAAAUAAAAFAAAAAEAAAAAAAAAZAAAAGQAAAAAAAAAZAAAAGQAAAAVAAAAYAAAAAAAAAAAAAAADwAAACADAAAAAAAAAAAAAAEAAACgMgAAVgcAAKr4//8BAAAAf39/AAEAAABkAAAAAAAAABQAAABAHwAAAAAAACYAAAAAAAAAwOD//wAAAAAmAAAAZAAAABYAAABMAAAAAAAAAAAAAAAEAAAAAAAAAAEAAACAgIAKAAAAACgAAAAoAAAAZAAAAGQAAAAAAAAAzMzMAAAAAABQAAAAUAAAAGQAAABkAAAAAAAAABcAAAAUAAAAAAAAAAAAAAD/fwAA/38AAAAAAAAJAAAABAAAAAAAAAAMAAAAEAAAAAAAAAAAAAAAAAAAAAAAAAAeAAAAaAAAAAAAAAAAAAAAAAAAAAAAAAAAAAAAECcAABAnAAAAAAAAAAAAAAAAAAAAAAAAAAAAAAAAAAAAAAAAAAAAABQAAAAAAAAAwMD/AAAAAABkAAAAMgAAAAAAAABkAAAAAAAAAH9/fwAKAAAAHwAAAFQAAAAAAAAFAAAAAQAAAAAAAAAAAAAAAAAAAAAAAAAAAAAAAAAAAAAAAAAAAAAAAn9/fwAAAAADzMzMAMDA/wB/f38AAAAAAAAAAAAAAAAAAAAAAAAAAAAhAAAAGAAAABQAAABQKAAAGycAAHA1AABZKQAAEAAAACYAAAAIAAAAAAAAAAAAAAA="/>
+                <pr:smNativeData xmlns:pr="smNativeData" val="SMDATA_13_cFGrYxMAAAAlAAAAZAAAAA8BAAAAkAAAAEgAAACQAAAASAAAAAAAAAABAAAAAAAAAAEAAABQAAAAAAAAAAAA4D8AAAAAAADgPwAAAAAAAOA/AAAAAAAA4D8AAAAAAADgPwAAAAAAAOA/AAAAAAAA4D8AAAAAAADgPwAAAAAAAOA/AAAAAAAA4D8CAAAAjAAAAAAAAAAAAAAAu+DjDP///wgAAAAAAAAAAAAAAAAAAAAAAAAAAAAAAAAAAAAAZAAAAAEAAABAAAAAAAAAAAAAAAAAAAAAAAAAAAAAAAAAAAAAAAAAAAAAAAAAAAAAAAAAAAAAAAAAAAAAAAAAAAAAAAAAAAAAAAAAAAAAAAAAAAAAAAAAAAAAAAAAAAAAFAAAADwAAAAAAAAAAAAAAAAAAAkUAAAAAQAAABQAAAAUAAAAFAAAAAEAAAAAAAAAZAAAAGQAAAAAAAAAZAAAAGQAAAAVAAAAYAAAAAAAAAAAAAAADwAAACADAAAAAAAAAAAAAAEAAACgMgAAVgcAAKr4//8BAAAAf39/AAEAAABkAAAAAAAAABQAAABAHwAAAAAAACYAAAAAAAAAwOD//wAAAAAmAAAAZAAAABYAAABMAAAAAAAAAAAAAAAEAAAAAAAAAAEAAACAgIAKAAAAACgAAAAoAAAAZAAAAGQAAAAAAAAAzMzMAAAAAABQAAAAUAAAAGQAAABkAAAAAAAAABcAAAAUAAAAAAAAAAAAAAD/fwAA/38AAAAAAAAJAAAABAAAAAAAAAAMAAAAEAAAAAAAAAAAAAAAAAAAAAAAAAAeAAAAaAAAAAAAAAAAAAAAAAAAAAAAAAAAAAAAECcAABAnAAAAAAAAAAAAAAAAAAAAAAAAAAAAAAAAAAAAAAAAAAAAABQAAAAAAAAAwMD/AAAAAABkAAAAMgAAAAAAAABkAAAAAAAAAH9/fwAKAAAAHwAAAFQAAAAAAAAFAAAAAQAAAAAAAAAAAAAAAAAAAAAAAAAAAAAAAAAAAAAAAAAAAAAAAn9/fwAAAAADzMzMAMDA/wB/f38AAAAAAAAAAAAAAAAAAAAAAAAAAAAhAAAAGAAAABQAAABQKAAAGycAAHA1AABZKQAAEAAAACYAAAAIAAAAAAAAAAAAAAA="/>
               </a:ext>
             </a:extLst>
           </p:cNvSpPr>
@@ -2729,7 +2730,7 @@
           <a:lstStyle/>
           <a:p>
             <a:pPr/>
-            <a:fld id="{2683F55E-10CB-D603-853B-E656BB7573B3}" type="slidenum">
+            <a:fld id="{21E7CD22-6CCC-B23B-825F-9A6E831174CF}" type="slidenum">
               <a:t/>
             </a:fld>
           </a:p>
@@ -2775,7 +2776,7 @@
             <a:spLocks noGrp="1" noChangeArrowheads="1"/>
             <a:extLst>
               <a:ext uri="smNativeData">
-                <pr:smNativeData xmlns:pr="smNativeData" val="SMDATA_13_5iCqYxMAAAAlAAAAZAAAAA8BAAAAkAAAAEgAAACQAAAASAAAAAAAAAABAAAAAAAAAAEAAABQAAAAAAAAAAAA4D8AAAAAAADgPwAAAAAAAOA/AAAAAAAA4D8AAAAAAADgPwAAAAAAAOA/AAAAAAAA4D8AAAAAAADgPwAAAAAAAOA/AAAAAAAA4D8CAAAAjAAAAAAAAAAAAAAAu+DjDP///wgAAAAAAAAAAAAAAAAAAAAAAAAAAAAAAAAAAAAAZAAAAAEAAABAAAAAAAAAAAAAAAAAAAAAAAAAAAAAAAAAAAAAAAAAAAAAAAAAAAAAAAAAAAAAAAAAAAAAAAAAAAAAAAAAAAAAAAAAAAAAAAAAAAAAAAAAAAAAAAAAAAAAFAAAADwAAAAAAAAAAAAAAAAAAAkUAAAAAQAAABQAAAAUAAAAFAAAAAEAAAAAAAAAZAAAAGQAAAAAAAAAZAAAAGQAAAAVAAAAYAAAAAAAAAAAAAAADwAAACADAAAAAAAAAAAAAAEAAACgMgAAVgcAAKr4//8BAAAAf39/AAEAAABkAAAAAAAAABQAAABAHwAAAAAAACYAAAAAAAAAwOD//wAAAAAmAAAAZAAAABYAAABMAAAAAAAAAAAAAAAEAAAAAAAAAAEAAACAgIAKAAAAACgAAAAoAAAAZAAAAGQAAAAAAAAAzMzMAAAAAABQAAAAUAAAAGQAAABkAAAAAAAAABcAAAAUAAAAAAAAAAAAAAD/fwAA/38AAAAAAAAJAAAABAAAAAAAAAAMAAAAEAAAAAAAAAAAAAAAAAAAAAAAAAAeAAAAaAAAAAAAAAAAAAAAAAAAAAAAAAAAAAAAECcAABAnAAAAAAAAAAAAAAAAAAAAAAAAAAAAAAAAAAAAAAAAAAAAABQAAAAAAAAAwMD/AAAAAABkAAAAMgAAAAAAAABkAAAAAAAAAH9/fwAKAAAAHwAAAFQAAAAAAAAFAAAAAQAAAAAAAAAAAAAAAAAAAAAAAAAAAAAAAAAAAAAAAAAAAAAAAn9/fwAAAAADzMzMAMDA/wB/f38AAAAAAAAAAAAAAAAAAAAAAAAAAAAhAAAAGAAAABQAAADQAgAAsAEAAHA1AAC4CAAAEAAAACYAAAAIAAAA//////////8="/>
+                <pr:smNativeData xmlns:pr="smNativeData" val="SMDATA_13_cFGrYxMAAAAlAAAAZAAAAA8BAAAAkAAAAEgAAACQAAAASAAAAAAAAAABAAAAAAAAAAEAAABQAAAAAAAAAAAA4D8AAAAAAADgPwAAAAAAAOA/AAAAAAAA4D8AAAAAAADgPwAAAAAAAOA/AAAAAAAA4D8AAAAAAADgPwAAAAAAAOA/AAAAAAAA4D8CAAAAjAAAAAAAAAAAAAAAu+DjDP///wgAAAAAAAAAAAAAAAAAAAAAAAAAAAAAAAAAAAAAZAAAAAEAAABAAAAAAAAAAAAAAAAAAAAAAAAAAAAAAAAAAAAAAAAAAAAAAAAAAAAAAAAAAAAAAAAAAAAAAAAAAAAAAAAAAAAAAAAAAAAAAAAAAAAAAAAAAAAAAAAAAAAAFAAAADwAAAAAAAAAAAAAAAAAAAkUAAAAAQAAABQAAAAUAAAAFAAAAAEAAAAAAAAAZAAAAGQAAAAAAAAAZAAAAGQAAAAVAAAAYAAAAAAAAAAAAAAADwAAACADAAAAAAAAAAAAAAEAAACgMgAAVgcAAKr4//8BAAAAf39/AAEAAABkAAAAAAAAABQAAABAHwAAAAAAACYAAAAAAAAAwOD//wAAAAAmAAAAZAAAABYAAABMAAAAAAAAAAAAAAAEAAAAAAAAAAEAAACAgIAKAAAAACgAAAAoAAAAZAAAAGQAAAAAAAAAzMzMAAAAAABQAAAAUAAAAGQAAABkAAAAAAAAABcAAAAUAAAAAAAAAAAAAAD/fwAA/38AAAAAAAAJAAAABAAAAAAAAAAMAAAAEAAAAAAAAAAAAAAAAAAAAAAAAAAeAAAAaAAAAAAAAAAAAAAAAAAAAAAAAAAAAAAAECcAABAnAAAAAAAAAAAAAAAAAAAAAAAAAAAAAAAAAAAAAAAAAAAAABQAAAAAAAAAwMD/AAAAAABkAAAAMgAAAAAAAABkAAAAAAAAAH9/fwAKAAAAHwAAAFQAAAAAAAAFAAAAAQAAAAAAAAAAAAAAAAAAAAAAAAAAAAAAAAAAAAAAAAAAAAAAAn9/fwAAAAADzMzMAMDA/wB/f38AAAAAAAAAAAAAAAAAAAAAAAAAAAAhAAAAGAAAABQAAADQAgAAsAEAAHA1AAC4CAAAEAAAACYAAAAIAAAA//////////8="/>
               </a:ext>
             </a:extLst>
           </p:cNvSpPr>
@@ -2819,7 +2820,7 @@
             <a:spLocks noGrp="1" noChangeArrowheads="1"/>
             <a:extLst>
               <a:ext uri="smNativeData">
-                <pr:smNativeData xmlns:pr="smNativeData" val="SMDATA_13_5iCqYxMAAAAlAAAAZAAAAA8BAAAAkAAAAEgAAACQAAAASAAAAAAAAAAAAAAAAAAAAAEAAABQAAAAAAAAAAAA4D8AAAAAAADgPwAAAAAAAOA/AAAAAAAA4D8AAAAAAADgPwAAAAAAAOA/AAAAAAAA4D8AAAAAAADgPwAAAAAAAOA/AAAAAAAA4D8CAAAAjAAAAAAAAAAAAAAAu+DjDP///wgAAAAAAAAAAAAAAAAAAAAAAAAAAAAAAAAAAAAAZAAAAAEAAABAAAAAAAAAAAAAAAAAAAAAAAAAAAAAAAAAAAAAAAAAAAAAAAAAAAAAAAAAAAAAAAAAAAAAAAAAAAAAAAAAAAAAAAAAAAAAAAAAAAAAAAAAAAAAAAAAAAAAFAAAADwAAAAAAAAAAAAAAAAAAAkUAAAAAQAAABQAAAAUAAAAFAAAAAEAAAAAAAAAZAAAAGQAAAAAAAAAZAAAAGQAAAAVAAAAYAAAAAAAAAAAAAAADwAAACADAAAAAAAAAAAAAAEAAACgMgAAVgcAAKr4//8BAAAAf39/AAEAAABkAAAAAAAAABQAAABAHwAAAAAAACYAAAAAAAAAwOD//wAAAAAmAAAAZAAAABYAAABMAAAAAAAAAAAAAAAEAAAAAAAAAAEAAACAgIAKAAAAACgAAAAoAAAAZAAAAGQAAAAAAAAAzMzMAAAAAABQAAAAUAAAAGQAAABkAAAAAAAAABcAAAAUAAAAAAAAAAAAAAD/fwAA/38AAAAAAAAJAAAABAAAAAAAAAAMAAAAEAAAAAAAAAAAAAAAAAAAAAAAAAAeAAAAaAAAAAAAAAAAAAAAAAAAAAAAAAAAAAAAECcAABAnAAAAAAAAAAAAAAAAAAAAAAAAAAAAAAAAAAAAAAAAAAAAABQAAAAAAAAAwMD/AAAAAABkAAAAMgAAAAAAAABkAAAAAAAAAH9/fwAKAAAAHwAAAFQAAAAAAAAFAAAAAQAAAAAAAAAAAAAAAAAAAAAAAAAAAAAAAAAAAAAAAAAAAAAAAn9/fwAAAAADzMzMAMDA/wB/f38AAAAAAAAAAAAAAAAAAAAAAAAAAAAhAAAAGAAAABQAAADQAgAA2AkAAHA1AACwJQAAEAAAACYAAAAIAAAA//////////8="/>
+                <pr:smNativeData xmlns:pr="smNativeData" val="SMDATA_13_cFGrYxMAAAAlAAAAZAAAAA8BAAAAkAAAAEgAAACQAAAASAAAAAAAAAAAAAAAAAAAAAEAAABQAAAAAAAAAAAA4D8AAAAAAADgPwAAAAAAAOA/AAAAAAAA4D8AAAAAAADgPwAAAAAAAOA/AAAAAAAA4D8AAAAAAADgPwAAAAAAAOA/AAAAAAAA4D8CAAAAjAAAAAAAAAAAAAAAu+DjDP///wgAAAAAAAAAAAAAAAAAAAAAAAAAAAAAAAAAAAAAZAAAAAEAAABAAAAAAAAAAAAAAAAAAAAAAAAAAAAAAAAAAAAAAAAAAAAAAAAAAAAAAAAAAAAAAAAAAAAAAAAAAAAAAAAAAAAAAAAAAAAAAAAAAAAAAAAAAAAAAAAAAAAAFAAAADwAAAAAAAAAAAAAAAAAAAkUAAAAAQAAABQAAAAUAAAAFAAAAAEAAAAAAAAAZAAAAGQAAAAAAAAAZAAAAGQAAAAVAAAAYAAAAAAAAAAAAAAADwAAACADAAAAAAAAAAAAAAEAAACgMgAAVgcAAKr4//8BAAAAf39/AAEAAABkAAAAAAAAABQAAABAHwAAAAAAACYAAAAAAAAAwOD//wAAAAAmAAAAZAAAABYAAABMAAAAAAAAAAAAAAAEAAAAAAAAAAEAAACAgIAKAAAAACgAAAAoAAAAZAAAAGQAAAAAAAAAzMzMAAAAAABQAAAAUAAAAGQAAABkAAAAAAAAABcAAAAUAAAAAAAAAAAAAAD/fwAA/38AAAAAAAAJAAAABAAAAAAAAAAMAAAAEAAAAAAAAAAAAAAAAAAAAAAAAAAeAAAAaAAAAAAAAAAAAAAAAAAAAAAAAAAAAAAAECcAABAnAAAAAAAAAAAAAAAAAAAAAAAAAAAAAAAAAAAAAAAAAAAAABQAAAAAAAAAwMD/AAAAAABkAAAAMgAAAAAAAABkAAAAAAAAAH9/fwAKAAAAHwAAAFQAAAAAAAAFAAAAAQAAAAAAAAAAAAAAAAAAAAAAAAAAAAAAAAAAAAAAAAAAAAAAAn9/fwAAAAADzMzMAMDA/wB/f38AAAAAAAAAAAAAAAAAAAAAAAAAAAAhAAAAGAAAABQAAADQAgAA2AkAAHA1AACwJQAAEAAAACYAAAAIAAAA//////////8="/>
               </a:ext>
             </a:extLst>
           </p:cNvSpPr>
@@ -2887,7 +2888,7 @@
             <a:spLocks noGrp="1" noChangeArrowheads="1"/>
             <a:extLst>
               <a:ext uri="smNativeData">
-                <pr:smNativeData xmlns:pr="smNativeData" val="SMDATA_13_5iCqYxMAAAAlAAAAZAAAAA8BAAAAkAAAAEgAAACQAAAASAAAAAAAAAABAAAAAAAAAAEAAABQAAAAAAAAAAAA4D8AAAAAAADgPwAAAAAAAOA/AAAAAAAA4D8AAAAAAADgPwAAAAAAAOA/AAAAAAAA4D8AAAAAAADgPwAAAAAAAOA/AAAAAAAA4D8CAAAAjAAAAAAAAAAAAAAAu+DjDP///wgAAAAAAAAAAAAAAAAAAAAAAAAAAAAAAAAAAAAAZAAAAAEAAABAAAAAAAAAAAAAAAAAAAAAAAAAAAAAAAAAAAAAAAAAAAAAAAAAAAAAAAAAAAAAAAAAAAAAAAAAAAAAAAAAAAAAAAAAAAAAAAAAAAAAAAAAAAAAAAAAAAAAFAAAADwAAAAAAAAAAAAAAAAAAAkUAAAAAQAAABQAAAAUAAAAFAAAAAEAAAAAAAAAZAAAAGQAAAAAAAAAZAAAAGQAAAAVAAAAYAAAAAAAAAAAAAAADwAAACADAAAAAAAAAAAAAAEAAACgMgAAVgcAAKr4//8BAAAAf39/AAEAAABkAAAAAAAAABQAAABAHwAAAAAAACYAAAAAAAAAwOD//wAAAAAmAAAAZAAAABYAAABMAAAAAAAAAAAAAAAEAAAAAAAAAAEAAACAgIAKAAAAACgAAAAoAAAAZAAAAGQAAAAAAAAAzMzMAAAAAABQAAAAUAAAAGQAAABkAAAAAAAAABcAAAAUAAAAAAAAAAAAAAD/fwAA/38AAAAAAAAJAAAABAAAAAAAAAAMAAAAEAAAAAAAAAAAAAAAAAAAAAAAAAAeAAAAaAAAAAAAAAAAAAAAAAAAAAAAAAAAAAAAECcAABAnAAAAAAAAAAAAAAAAAAAAAAAAAAAAAAAAAAAAAAAAAAAAABQAAAAAAAAAwMD/AAAAAABkAAAAMgAAAAAAAABkAAAAAAAAAH9/fwAKAAAAHwAAAFQAAAAAAAAFAAAAAQAAAAAAAAAAAAAAAAAAAAAAAAAAAAAAAAAAAAAAAAAAAAAAAn9/fwAAAAADzMzMAMDA/wB/f38AAAAAAAAAAAAAAAAAAAAAAAAAAAAhAAAAGAAAABQAAADQAgAAGycAAPAPAABZKQAAEAAAACYAAAAIAAAA//////////8="/>
+                <pr:smNativeData xmlns:pr="smNativeData" val="SMDATA_13_cFGrYxMAAAAlAAAAZAAAAA8BAAAAkAAAAEgAAACQAAAASAAAAAAAAAABAAAAAAAAAAEAAABQAAAAAAAAAAAA4D8AAAAAAADgPwAAAAAAAOA/AAAAAAAA4D8AAAAAAADgPwAAAAAAAOA/AAAAAAAA4D8AAAAAAADgPwAAAAAAAOA/AAAAAAAA4D8CAAAAjAAAAAAAAAAAAAAAu+DjDP///wgAAAAAAAAAAAAAAAAAAAAAAAAAAAAAAAAAAAAAZAAAAAEAAABAAAAAAAAAAAAAAAAAAAAAAAAAAAAAAAAAAAAAAAAAAAAAAAAAAAAAAAAAAAAAAAAAAAAAAAAAAAAAAAAAAAAAAAAAAAAAAAAAAAAAAAAAAAAAAAAAAAAAFAAAADwAAAAAAAAAAAAAAAAAAAkUAAAAAQAAABQAAAAUAAAAFAAAAAEAAAAAAAAAZAAAAGQAAAAAAAAAZAAAAGQAAAAVAAAAYAAAAAAAAAAAAAAADwAAACADAAAAAAAAAAAAAAEAAACgMgAAVgcAAKr4//8BAAAAf39/AAEAAABkAAAAAAAAABQAAABAHwAAAAAAACYAAAAAAAAAwOD//wAAAAAmAAAAZAAAABYAAABMAAAAAAAAAAAAAAAEAAAAAAAAAAEAAACAgIAKAAAAACgAAAAoAAAAZAAAAGQAAAAAAAAAzMzMAAAAAABQAAAAUAAAAGQAAABkAAAAAAAAABcAAAAUAAAAAAAAAAAAAAD/fwAA/38AAAAAAAAJAAAABAAAAAAAAAAMAAAAEAAAAAAAAAAAAAAAAAAAAAAAAAAeAAAAaAAAAAAAAAAAAAAAAAAAAAAAAAAAAAAAECcAABAnAAAAAAAAAAAAAAAAAAAAAAAAAAAAAAAAAAAAAAAAAAAAABQAAAAAAAAAwMD/AAAAAABkAAAAMgAAAAAAAABkAAAAAAAAAH9/fwAKAAAAHwAAAFQAAAAAAAAFAAAAAQAAAAAAAAAAAAAAAAAAAAAAAAAAAAAAAAAAAAAAAAAAAAAAAn9/fwAAAAADzMzMAMDA/wB/f38AAAAAAAAAAAAAAAAAAAAAAAAAAAAhAAAAGAAAABQAAADQAgAAGycAAPAPAABZKQAAEAAAACYAAAAIAAAA//////////8="/>
               </a:ext>
             </a:extLst>
           </p:cNvSpPr>
@@ -2922,7 +2923,7 @@
           </a:lstStyle>
           <a:p>
             <a:pPr/>
-            <a:fld id="{2683BD9D-D3CB-D64B-853B-251EF3757370}" type="datetime1">
+            <a:fld id="{21E79D1B-55CC-B26B-825F-A33ED31174F6}" type="datetime1">
               <a:t/>
             </a:fld>
           </a:p>
@@ -2935,7 +2936,7 @@
             <a:spLocks noGrp="1" noChangeArrowheads="1"/>
             <a:extLst>
               <a:ext uri="smNativeData">
-                <pr:smNativeData xmlns:pr="smNativeData" val="SMDATA_13_5iCqYxMAAAAlAAAAZAAAAA8BAAAAkAAAAEgAAACQAAAASAAAAAAAAAABAAAAAAAAAAEAAABQAAAAAAAAAAAA4D8AAAAAAADgPwAAAAAAAOA/AAAAAAAA4D8AAAAAAADgPwAAAAAAAOA/AAAAAAAA4D8AAAAAAADgPwAAAAAAAOA/AAAAAAAA4D8CAAAAjAAAAAAAAAAAAAAAu+DjDP///wgAAAAAAAAAAAAAAAAAAAAAAAAAAAAAAAAAAAAAZAAAAAEAAABAAAAAAAAAAAAAAAAAAAAAAAAAAAAAAAAAAAAAAAAAAAAAAAAAAAAAAAAAAAAAAAAAAAAAAAAAAAAAAAAAAAAAAAAAAAAAAAAAAAAAAAAAAAAAAAAAAAAAFAAAADwAAAAAAAAAAAAAAAAAAAkUAAAAAQAAABQAAAAUAAAAFAAAAAEAAAAAAAAAZAAAAGQAAAAAAAAAZAAAAGQAAAAVAAAAYAAAAAAAAAAAAAAADwAAACADAAAAAAAAAAAAAAEAAACgMgAAVgcAAKr4//8BAAAAf39/AAEAAABkAAAAAAAAABQAAABAHwAAAAAAACYAAAAAAAAAwOD//wAAAAAmAAAAZAAAABYAAABMAAAAAAAAAAAAAAAEAAAAAAAAAAEAAACAgIAKAAAAACgAAAAoAAAAZAAAAGQAAAAAAAAAzMzMAAAAAABQAAAAUAAAAGQAAABkAAAAAAAAABcAAAAUAAAAAAAAAAAAAAD/fwAA/38AAAAAAAAJAAAABAAAAAAAAAAMAAAAEAAAAAAAAAAAAAAAAAAAAAAAAAAeAAAAaAAAAAAAAAAAAAAAAAAAAAAAAAAAAAAAECcAABAnAAAAAAAAAAAAAAAAAAAAAAAAAAAAAAAAAAAAAAAAAAAAABQAAAAAAAAAwMD/AAAAAABkAAAAMgAAAAAAAABkAAAAAAAAAH9/fwAKAAAAHwAAAFQAAAAAAAAFAAAAAQAAAAAAAAAAAAAAAAAAAAAAAAAAAAAAAAAAAAAAAAAAAAAAAn9/fwAAAAADzMzMAMDA/wB/f38AAAAAAAAAAAAAAAAAAAAAAAAAAAAhAAAAGAAAABQAAAA4EwAAGycAAAglAABZKQAAEAAAACYAAAAIAAAA//////////8="/>
+                <pr:smNativeData xmlns:pr="smNativeData" val="SMDATA_13_cFGrYxMAAAAlAAAAZAAAAA8BAAAAkAAAAEgAAACQAAAASAAAAAAAAAABAAAAAAAAAAEAAABQAAAAAAAAAAAA4D8AAAAAAADgPwAAAAAAAOA/AAAAAAAA4D8AAAAAAADgPwAAAAAAAOA/AAAAAAAA4D8AAAAAAADgPwAAAAAAAOA/AAAAAAAA4D8CAAAAjAAAAAAAAAAAAAAAu+DjDP///wgAAAAAAAAAAAAAAAAAAAAAAAAAAAAAAAAAAAAAZAAAAAEAAABAAAAAAAAAAAAAAAAAAAAAAAAAAAAAAAAAAAAAAAAAAAAAAAAAAAAAAAAAAAAAAAAAAAAAAAAAAAAAAAAAAAAAAAAAAAAAAAAAAAAAAAAAAAAAAAAAAAAAFAAAADwAAAAAAAAAAAAAAAAAAAkUAAAAAQAAABQAAAAUAAAAFAAAAAEAAAAAAAAAZAAAAGQAAAAAAAAAZAAAAGQAAAAVAAAAYAAAAAAAAAAAAAAADwAAACADAAAAAAAAAAAAAAEAAACgMgAAVgcAAKr4//8BAAAAf39/AAEAAABkAAAAAAAAABQAAABAHwAAAAAAACYAAAAAAAAAwOD//wAAAAAmAAAAZAAAABYAAABMAAAAAAAAAAAAAAAEAAAAAAAAAAEAAACAgIAKAAAAACgAAAAoAAAAZAAAAGQAAAAAAAAAzMzMAAAAAABQAAAAUAAAAGQAAABkAAAAAAAAABcAAAAUAAAAAAAAAAAAAAD/fwAA/38AAAAAAAAJAAAABAAAAAAAAAAMAAAAEAAAAAAAAAAAAAAAAAAAAAAAAAAeAAAAaAAAAAAAAAAAAAAAAAAAAAAAAAAAAAAAECcAABAnAAAAAAAAAAAAAAAAAAAAAAAAAAAAAAAAAAAAAAAAAAAAABQAAAAAAAAAwMD/AAAAAABkAAAAMgAAAAAAAABkAAAAAAAAAH9/fwAKAAAAHwAAAFQAAAAAAAAFAAAAAQAAAAAAAAAAAAAAAAAAAAAAAAAAAAAAAAAAAAAAAAAAAAAAAn9/fwAAAAADzMzMAMDA/wB/f38AAAAAAAAAAAAAAAAAAAAAAAAAAAAhAAAAGAAAABQAAAA4EwAAGycAAAglAABZKQAAEAAAACYAAAAIAAAA//////////8="/>
               </a:ext>
             </a:extLst>
           </p:cNvSpPr>
@@ -2980,7 +2981,7 @@
             <a:spLocks noGrp="1" noChangeArrowheads="1"/>
             <a:extLst>
               <a:ext uri="smNativeData">
-                <pr:smNativeData xmlns:pr="smNativeData" val="SMDATA_13_5iCqYxMAAAAlAAAAZAAAAA8BAAAAkAAAAEgAAACQAAAASAAAAAAAAAABAAAAAAAAAAEAAABQAAAAAAAAAAAA4D8AAAAAAADgPwAAAAAAAOA/AAAAAAAA4D8AAAAAAADgPwAAAAAAAOA/AAAAAAAA4D8AAAAAAADgPwAAAAAAAOA/AAAAAAAA4D8CAAAAjAAAAAAAAAAAAAAAu+DjDP///wgAAAAAAAAAAAAAAAAAAAAAAAAAAAAAAAAAAAAAZAAAAAEAAABAAAAAAAAAAAAAAAAAAAAAAAAAAAAAAAAAAAAAAAAAAAAAAAAAAAAAAAAAAAAAAAAAAAAAAAAAAAAAAAAAAAAAAAAAAAAAAAAAAAAAAAAAAAAAAAAAAAAAFAAAADwAAAAAAAAAAAAAAAAAAAkUAAAAAQAAABQAAAAUAAAAFAAAAAEAAAAAAAAAZAAAAGQAAAAAAAAAZAAAAGQAAAAVAAAAYAAAAAAAAAAAAAAADwAAACADAAAAAAAAAAAAAAEAAACgMgAAVgcAAKr4//8BAAAAf39/AAEAAABkAAAAAAAAABQAAABAHwAAAAAAACYAAAAAAAAAwOD//wAAAAAmAAAAZAAAABYAAABMAAAAAAAAAAAAAAAEAAAAAAAAAAEAAACAgIAKAAAAACgAAAAoAAAAZAAAAGQAAAAAAAAAzMzMAAAAAABQAAAAUAAAAGQAAABkAAAAAAAAABcAAAAUAAAAAAAAAAAAAAD/fwAA/38AAAAAAAAJAAAABAAAAAAAAAAMAAAAEAAAAAAAAAAAAAAAAAAAAAAAAAAeAAAAaAAAAAAAAAAAAAAAAAAAAAAAAAAAAAAAECcAABAnAAAAAAAAAAAAAAAAAAAAAAAAAAAAAAAAAAAAAAAAAAAAABQAAAAAAAAAwMD/AAAAAABkAAAAMgAAAAAAAABkAAAAAAAAAH9/fwAKAAAAHwAAAFQAAAAAAAAFAAAAAQAAAAAAAAAAAAAAAAAAAAAAAAAAAAAAAAAAAAAAAAAAAAAAAn9/fwAAAAADzMzMAMDA/wB/f38AAAAAAAAAAAAAAAAAAAAAAAAAAAAhAAAAGAAAABQAAABQKAAAGycAAHA1AABZKQAAEAAAACYAAAAIAAAA//////////8="/>
+                <pr:smNativeData xmlns:pr="smNativeData" val="SMDATA_13_cFGrYxMAAAAlAAAAZAAAAA8BAAAAkAAAAEgAAACQAAAASAAAAAAAAAABAAAAAAAAAAEAAABQAAAAAAAAAAAA4D8AAAAAAADgPwAAAAAAAOA/AAAAAAAA4D8AAAAAAADgPwAAAAAAAOA/AAAAAAAA4D8AAAAAAADgPwAAAAAAAOA/AAAAAAAA4D8CAAAAjAAAAAAAAAAAAAAAu+DjDP///wgAAAAAAAAAAAAAAAAAAAAAAAAAAAAAAAAAAAAAZAAAAAEAAABAAAAAAAAAAAAAAAAAAAAAAAAAAAAAAAAAAAAAAAAAAAAAAAAAAAAAAAAAAAAAAAAAAAAAAAAAAAAAAAAAAAAAAAAAAAAAAAAAAAAAAAAAAAAAAAAAAAAAFAAAADwAAAAAAAAAAAAAAAAAAAkUAAAAAQAAABQAAAAUAAAAFAAAAAEAAAAAAAAAZAAAAGQAAAAAAAAAZAAAAGQAAAAVAAAAYAAAAAAAAAAAAAAADwAAACADAAAAAAAAAAAAAAEAAACgMgAAVgcAAKr4//8BAAAAf39/AAEAAABkAAAAAAAAABQAAABAHwAAAAAAACYAAAAAAAAAwOD//wAAAAAmAAAAZAAAABYAAABMAAAAAAAAAAAAAAAEAAAAAAAAAAEAAACAgIAKAAAAACgAAAAoAAAAZAAAAGQAAAAAAAAAzMzMAAAAAABQAAAAUAAAAGQAAABkAAAAAAAAABcAAAAUAAAAAAAAAAAAAAD/fwAA/38AAAAAAAAJAAAABAAAAAAAAAAMAAAAEAAAAAAAAAAAAAAAAAAAAAAAAAAeAAAAaAAAAAAAAAAAAAAAAAAAAAAAAAAAAAAAECcAABAnAAAAAAAAAAAAAAAAAAAAAAAAAAAAAAAAAAAAAAAAAAAAABQAAAAAAAAAwMD/AAAAAABkAAAAMgAAAAAAAABkAAAAAAAAAH9/fwAKAAAAHwAAAFQAAAAAAAAFAAAAAQAAAAAAAAAAAAAAAAAAAAAAAAAAAAAAAAAAAAAAAAAAAAAAAn9/fwAAAAADzMzMAMDA/wB/f38AAAAAAAAAAAAAAAAAAAAAAAAAAAAhAAAAGAAAABQAAABQKAAAGycAAHA1AABZKQAAEAAAACYAAAAIAAAA//////////8="/>
               </a:ext>
             </a:extLst>
           </p:cNvSpPr>
@@ -3015,7 +3016,7 @@
           </a:lstStyle>
           <a:p>
             <a:pPr/>
-            <a:fld id="{2683C463-2DCB-D632-853B-DB678A75738E}" type="slidenum">
+            <a:fld id="{21E7AABC-F2CC-B25C-825F-0409E4117451}" type="slidenum">
               <a:t/>
             </a:fld>
           </a:p>
@@ -3693,7 +3694,7 @@
           <p:cNvSpPr>
             <a:extLst>
               <a:ext uri="smNativeData">
-                <pr:smNativeData xmlns:pr="smNativeData" val="SMDATA_13_5iCqYxMAAAAlAAAAZAAAAA8BAAAAkAAAAEgAAACQAAAASAAAAAAAAAAAAAAAAAAAAAEAAABQAAAAAAAAAAAA4D8AAAAAAADgPwAAAAAAAOA/AAAAAAAA4D8AAAAAAADgPwAAAAAAAOA/AAAAAAAA4D8AAAAAAADgPwAAAAAAAOA/AAAAAAAA4D8CAAAAjAAAAAEAAAAAAAAAAAAACf///wgAAAAAAAAAAAAAAAAAAAAAAAAAAAAAAAAAAAAAZAAAAAEAAABAAAAAAAAAAAAAAAAAAAAAAAAAAAAAAAAAAAAAAAAAAAAAAAAAAAAAAAAAAAAAAAAAAAAAAAAAAAAAAAAAAAAAAAAAAAAAAAAAAAAAAAAAAAAAAAAAAAAAFAAAADwAAAABAAAAAAAAAAAAAAkUAAAAAQAAABQAAAAUAAAAFAAAAAEAAAAAAAAAZAAAAGQAAAAAAAAAZAAAAGQAAAAVAAAAYAAAAAAAAAAAAAAADwAAACADAAAAAAAAAAAAAAEAAACgMgAAVgcAAKr4//8BAAAAf39/AAEAAABkAAAAAAAAABQAAABAHwAAAAAAACYAAAAAAAAAwOD//wAAAAAmAAAAZAAAABYAAABMAAAAAAAAAAAAAAAEAAAAAAAAAAEAAACAgIAKAAAAACgAAAAoAAAAZAAAAGQAAAAAAAAAzMzMAAAAAABQAAAAUAAAAGQAAABkAAAAAAAAABcAAAAUAAAAAAAAAAAAAAD/fwAA/38AAAAAAAAJAAAABAAAAAAAAAAMAAAAEAAAAAAAAAAAAAAAAAAAAAAAAAAeAAAAaAAAAAAAAAAAAAAAAAAAAAAAAAAAAAAAECcAABAnAAAAAAAAAAAAAAAAAAAAAAAAAAAAAAAAAAAAAAAAAAAAABQAAAAAAAAAwMD/AAAAAABkAAAAMgAAAAAAAABkAAAAAAAAAH9/fwAKAAAAHwAAAFQAAAAAAAAC////AQAAAAAAAAAAAAAAAAAAAAAAAAAAAAAAAAAAAAAAAAAAAAAAAn9/fwCAgIADzMzMAMDA/wB/f38AAAAAAAAAAAAAAAAAAAAAAAAAAAAhAAAAGAAAABQAAABTAQAA4wAAANEqAADlDwAAEAAAACYAAAAIAAAA//////////8="/>
+                <pr:smNativeData xmlns:pr="smNativeData" val="SMDATA_13_cFGrYxMAAAAlAAAAZAAAAA8BAAAAkAAAAEgAAACQAAAASAAAAAAAAAAAAAAAAAAAAAEAAABQAAAAAAAAAAAA4D8AAAAAAADgPwAAAAAAAOA/AAAAAAAA4D8AAAAAAADgPwAAAAAAAOA/AAAAAAAA4D8AAAAAAADgPwAAAAAAAOA/AAAAAAAA4D8CAAAAjAAAAAEAAAAAAAAAAAAACf///wgAAAAAAAAAAAAAAAAAAAAAAAAAAAAAAAAAAAAAZAAAAAEAAABAAAAAAAAAAAAAAAAAAAAAAAAAAAAAAAAAAAAAAAAAAAAAAAAAAAAAAAAAAAAAAAAAAAAAAAAAAAAAAAAAAAAAAAAAAAAAAAAAAAAAAAAAAAAAAAAAAAAAFAAAADwAAAABAAAAAAAAAAAAAAkUAAAAAQAAABQAAAAUAAAAFAAAAAEAAAAAAAAAZAAAAGQAAAAAAAAAZAAAAGQAAAAVAAAAYAAAAAAAAAAAAAAADwAAACADAAAAAAAAAAAAAAEAAACgMgAAVgcAAKr4//8BAAAAf39/AAEAAABkAAAAAAAAABQAAABAHwAAAAAAACYAAAAAAAAAwOD//wAAAAAmAAAAZAAAABYAAABMAAAAAAAAAAAAAAAEAAAAAAAAAAEAAACAgIAKAAAAACgAAAAoAAAAZAAAAGQAAAAAAAAAzMzMAAAAAABQAAAAUAAAAGQAAABkAAAAAAAAABcAAAAUAAAAAAAAAAAAAAD/fwAA/38AAAAAAAAJAAAABAAAAAAAAAAMAAAAEAAAAAAAAAAAAAAAAAAAAAAAAAAeAAAAaAAAAAAAAAAAAAAAAAAAAAAAAAAAAAAAECcAABAnAAAAAAAAAAAAAAAAAAAAAAAAAAAAAAAAAAAAAAAAAAAAABQAAAAAAAAAwMD/AAAAAABkAAAAMgAAAAAAAABkAAAAAAAAAH9/fwAKAAAAHwAAAFQAAAAAAAAC////AQAAAAAAAAAAAAAAAAAAAAAAAAAAAAAAAAAAAAAAAAAAAAAAAn9/fwCAgIADzMzMAMDA/wB/f38AAAAAAAAAAAAAAAAAAAAAAAAAAAAhAAAAGAAAABQAAABTAQAA4wAAANEqAADlDwAAEAAAACYAAAAIAAAA//////////8="/>
               </a:ext>
             </a:extLst>
           </p:cNvSpPr>
@@ -3728,7 +3729,7 @@
             <a:picLocks noChangeAspect="1"/>
             <a:extLst>
               <a:ext uri="smNativeData">
-                <pr:smNativeData xmlns:pr="smNativeData" val="SMDATA_15_5iCqYxMAAAAlAAAAEQAAAC8BAAAAkAAAAEgAAACQAAAASAAAAAAAAAAAAAAAAAAAAAEAAABQAAAAAAAAAAAA4D8AAAAAAADgPwAAAAAAAOA/AAAAAAAA4D8AAAAAAADgPwAAAAAAAOA/AAAAAAAA4D8AAAAAAADgPwAAAAAAAOA/AAAAAAAA4D8CAAAAjAAAAAAAAAAAAAAAu+DjDP///wgAAAAAAAAAAAAAAAAAAAAAAAAAAAAAAAAAAAAAZAAAAAEAAABAAAAAAAAAAAAAAAAAAAAAAAAAAAAAAAAAAAAAAAAAAAAAAAAAAAAAAAAAAAAAAAAAAAAAAAAAAAAAAAAAAAAAAAAAAAAAAAAAAAAAAAAAAAAAAAAAAAAAFAAAADwAAAAAAAAAAAAAAAAAAAkUAAAAAQAAABQAAAAUAAAAFAAAAAEAAAAAAAAAZAAAAGQAAAAAAAAAZAAAAGQAAAAVAAAAYAAAAAAAAAAAAAAADwAAACADAAAAAAAAAAAAAAEAAACgMgAAVgcAAKr4//8BAAAAf39/AAEAAABkAAAAAAAAABQAAABAHwAAAAAAACYAAAAAAAAAwOD//wAAAAAmAAAAZAAAABYAAABMAAAAAAAAAAAAAAAEAAAAAAAAAAEAAACAgIAKAAAAACgAAAAoAAAAZAAAAGQAAAAAAAAAzMzMAAAAAABQAAAAUAAAAGQAAABkAAAAAAAAAAcAAAA4AAAAAAAAAAAAAAAAAAAA////AAAAAAAAAAAAAAAAAAAAAAAAAAAAAAAAAAAAAABkAAAAZAAAAAAAAAAjAAAABAAAAGQAAAAXAAAAFAAAAAAAAAAAAAAA/38AAP9/AAAAAAAACQAAAAQAAAAAAAAADAAAABAAAAAAAAAAAAAAAAAAAAAAAAAAHgAAAGgAAAAAAAAAAAAAAAAAAAAAAAAAAAAAABAnAAAQJwAAAAAAAAAAAAAAAAAAAAAAAAAAAAAAAAAAAAAAAAAAAAAUAAAAAAAAAMDA/wAAAAAAZAAAADIAAAAAAAAAZAAAAAAAAAB/f38ACgAAAB8AAABUAAAAu+DjBf///wEAAAAAAAAAAAAAAAAAAAAAAAAAAAAAAAAAAAAAAAAAAAAAAAJ/f38AgICAA8zMzADAwP8Af39/AAAAAAAAAAAAAAAAAP///wAAAAAAIQAAABgAAAAUAAAA3gsAAFUBAAAsIAAA5w4AABAAAAAmAAAACAAAAP//////////"/>
+                <pr:smNativeData xmlns:pr="smNativeData" val="SMDATA_15_cFGrYxMAAAAlAAAAEQAAAC8BAAAAkAAAAEgAAACQAAAASAAAAAAAAAAAAAAAAAAAAAEAAABQAAAAAAAAAAAA4D8AAAAAAADgPwAAAAAAAOA/AAAAAAAA4D8AAAAAAADgPwAAAAAAAOA/AAAAAAAA4D8AAAAAAADgPwAAAAAAAOA/AAAAAAAA4D8CAAAAjAAAAAAAAAAAAAAAu+DjDP///wgAAAAAAAAAAAAAAAAAAAAAAAAAAAAAAAAAAAAAZAAAAAEAAABAAAAAAAAAAAAAAAAAAAAAAAAAAAAAAAAAAAAAAAAAAAAAAAAAAAAAAAAAAAAAAAAAAAAAAAAAAAAAAAAAAAAAAAAAAAAAAAAAAAAAAAAAAAAAAAAAAAAAFAAAADwAAAAAAAAAAAAAAAAAAAkUAAAAAQAAABQAAAAUAAAAFAAAAAEAAAAAAAAAZAAAAGQAAAAAAAAAZAAAAGQAAAAVAAAAYAAAAAAAAAAAAAAADwAAACADAAAAAAAAAAAAAAEAAACgMgAAVgcAAKr4//8BAAAAf39/AAEAAABkAAAAAAAAABQAAABAHwAAAAAAACYAAAAAAAAAwOD//wAAAAAmAAAAZAAAABYAAABMAAAAAAAAAAAAAAAEAAAAAAAAAAEAAACAgIAKAAAAACgAAAAoAAAAZAAAAGQAAAAAAAAAzMzMAAAAAABQAAAAUAAAAGQAAABkAAAAAAAAAAcAAAA4AAAAAAAAAAAAAAAAAAAA////AAAAAAAAAAAAAAAAAAAAAAAAAAAAAAAAAAAAAABkAAAAZAAAAAAAAAAjAAAABAAAAGQAAAAXAAAAFAAAAAAAAAAAAAAA/38AAP9/AAAAAAAACQAAAAQAAAAAAAAADAAAABAAAAAAAAAAAAAAAAAAAAAAAAAAHgAAAGgAAAAAAAAAAAAAAAAAAAAAAAAAAAAAABAnAAAQJwAAAAAAAAAAAAAAAAAAAAAAAAAAAAAAAAAAAAAAAAAAAAAUAAAAAAAAAMDA/wAAAAAAZAAAADIAAAAAAAAAZAAAAAAAAAB/f38ACgAAAB8AAABUAAAAu+DjBf///wEAAAAAAAAAAAAAAAAAAAAAAAAAAAAAAAAAAAAAAAAAAAAAAAJ/f38AgICAA8zMzADAwP8Af39/AAAAAAAAAAAAAAAAAP///wAAAAAAIQAAABgAAAAUAAAA3gsAAFUBAAAsIAAA5w4AABAAAAAmAAAACAAAAP//////////"/>
               </a:ext>
             </a:extLst>
           </p:cNvPicPr>
@@ -3762,7 +3763,7 @@
             <a:picLocks noChangeAspect="1"/>
             <a:extLst>
               <a:ext uri="smNativeData">
-                <pr:smNativeData xmlns:pr="smNativeData" val="SMDATA_15_5iCqYxMAAAAlAAAAEQAAAC8BAAAAkAAAAEgAAACQAAAASAAAAAAAAAAAAAAAAAAAAAEAAABQAAAAAAAAAAAA4D8AAAAAAADgPwAAAAAAAOA/AAAAAAAA4D8AAAAAAADgPwAAAAAAAOA/AAAAAAAA4D8AAAAAAADgPwAAAAAAAOA/AAAAAAAA4D8CAAAAjAAAAAAAAAAAAAAAu+DjDP///wgAAAAAAAAAAAAAAAAAAAAAAAAAAAAAAAAAAAAAZAAAAAEAAABAAAAAAAAAAAAAAAAAAAAAAAAAAAAAAAAAAAAAAAAAAAAAAAAAAAAAAAAAAAAAAAAAAAAAAAAAAAAAAAAAAAAAAAAAAAAAAAAAAAAAAAAAAAAAAAAAAAAAFAAAADwAAAABAAAAAAAAAAAAAAsUAAAAAQAAABQAAAAUAAAAFAAAAAEAAAAAAAAAZAAAAGQAAAAAAAAAZAAAAGQAAAAVAAAAYAAAAAAAAAAAAAAADwAAACADAAAAAAAAAAAAAAEAAACgMgAAAAAAAAAAAAABAAAAf39/AAEAAABkAAAAAAAAABQAAABAHwAAAAAAACYAAAAAAAAAwOD//wAAAAAmAAAAZAAAABYAAABMAAAAAAAAAAAAAAAEAAAAAAAAAAEAAACAgIAKAAAAACgAAAAoAAAAZAAAAGQAAAAAAAAAzMzMAAAAAABQAAAAUAAAAGQAAABkAAAAAAAAAAcAAAA4AAAAAAAAAAAAAAAAAAAA////AAAAAAAAAAAAAAAAAAAAAAAAAAAAAAAAAAAAAABkAAAAZAAAAAAAAAAjAAAABAAAAGQAAAAXAAAAFAAAAAAAAAAAAAAA/38AAP9/AAAAAAAACQAAAAQAAAAAAAAADAAAABAAAAAAAAAAAAAAAAAAAAAAAAAAHgAAAGgAAAAAAAAAAAAAAAAAAAAAAAAAAAAAABAnAAAQJwAAAAAAAAAAAAAAAAAAAAAAAAAAAAAAAAAAAAAAAAAAAAAUAAAAAAAAAMDA/wAAAAAAZAAAADIAAAAAAAAAZAAAAAAAAAB/f38ACgAAAB8AAABUAAAAu+DjBf///wEAAAAAAAAAAAAAAAAAAAAAAAAAAAAAAAAAAAAAAAAAAAAAAAR/f38AgICAA8zMzADAwP8Af39/AAAAAAAAAAAAAAAAAP///wAAAAAAIQAAABgAAAAUAAAAbQEAADkBAAB6CwAANA8AABAAAAAmAAAACAAAAP//////////"/>
+                <pr:smNativeData xmlns:pr="smNativeData" val="SMDATA_15_cFGrYxMAAAAlAAAAEQAAAC8BAAAAkAAAAEgAAACQAAAASAAAAAAAAAAAAAAAAAAAAAEAAABQAAAAAAAAAAAA4D8AAAAAAADgPwAAAAAAAOA/AAAAAAAA4D8AAAAAAADgPwAAAAAAAOA/AAAAAAAA4D8AAAAAAADgPwAAAAAAAOA/AAAAAAAA4D8CAAAAjAAAAAAAAAAAAAAAu+DjDP///wgAAAAAAAAAAAAAAAAAAAAAAAAAAAAAAAAAAAAAZAAAAAEAAABAAAAAAAAAAAAAAAAAAAAAAAAAAAAAAAAAAAAAAAAAAAAAAAAAAAAAAAAAAAAAAAAAAAAAAAAAAAAAAAAAAAAAAAAAAAAAAAAAAAAAAAAAAAAAAAAAAAAAFAAAADwAAAABAAAAAAAAAAAAAAsUAAAAAQAAABQAAAAUAAAAFAAAAAEAAAAAAAAAZAAAAGQAAAAAAAAAZAAAAGQAAAAVAAAAYAAAAAAAAAAAAAAADwAAACADAAAAAAAAAAAAAAEAAACgMgAAAAAAAAAAAAABAAAAf39/AAEAAABkAAAAAAAAABQAAABAHwAAAAAAACYAAAAAAAAAwOD//wAAAAAmAAAAZAAAABYAAABMAAAAAAAAAAAAAAAEAAAAAAAAAAEAAACAgIAKAAAAACgAAAAoAAAAZAAAAGQAAAAAAAAAzMzMAAAAAABQAAAAUAAAAGQAAABkAAAAAAAAAAcAAAA4AAAAAAAAAAAAAAAAAAAA////AAAAAAAAAAAAAAAAAAAAAAAAAAAAAAAAAAAAAABkAAAAZAAAAAAAAAAjAAAABAAAAGQAAAAXAAAAFAAAAAAAAAAAAAAA/38AAP9/AAAAAAAACQAAAAQAAAAAAAAADAAAABAAAAAAAAAAAAAAAAAAAAAAAAAAHgAAAGgAAAAAAAAAAAAAAAAAAAAAAAAAAAAAABAnAAAQJwAAAAAAAAAAAAAAAAAAAAAAAAAAAAAAAAAAAAAAAAAAAAAUAAAAAAAAAMDA/wAAAAAAZAAAADIAAAAAAAAAZAAAAAAAAAB/f38ACgAAAB8AAABUAAAAu+DjBf///wEAAAAAAAAAAAAAAAAAAAAAAAAAAAAAAAAAAAAAAAAAAAAAAAR/f38AgICAA8zMzADAwP8Af39/AAAAAAAAAAAAAAAAAP///wAAAAAAIQAAABgAAAAUAAAAbQEAADkBAAB6CwAANA8AABAAAAAmAAAACAAAAP//////////"/>
               </a:ext>
             </a:extLst>
           </p:cNvPicPr>
@@ -3801,7 +3802,7 @@
             <a:picLocks noChangeAspect="1"/>
             <a:extLst>
               <a:ext uri="smNativeData">
-                <pr:smNativeData xmlns:pr="smNativeData" val="SMDATA_15_5iCqYxMAAAAlAAAAEQAAAC8BAAAAkAAAAEgAAACQAAAASAAAAAAAAAAAAAAAAAAAAAEAAABQAAAAAAAAAAAA4D8AAAAAAADgPwAAAAAAAOA/AAAAAAAA4D8AAAAAAADgPwAAAAAAAOA/AAAAAAAA4D8AAAAAAADgPwAAAAAAAOA/AAAAAAAA4D8CAAAAjAAAAAAAAAAAAAAAu+DjDP///wgAAAAAAAAAAAAAAAAAAAAAAAAAAAAAAAAAAAAAZAAAAAEAAABAAAAAAAAAAAAAAAAAAAAAAAAAAAAAAAAAAAAAAAAAAAAAAAAAAAAAAAAAAAAAAAAAAAAAAAAAAAAAAAAAAAAAAAAAAAAAAAAAAAAAAAAAAAAAAAAAAAAAFAAAADwAAAAAAAAAAAAAAAAAAAkUAAAAAQAAABQAAAAUAAAAFAAAAAEAAAAAAAAAZAAAAGQAAAAAAAAAZAAAAGQAAAAVAAAAYAAAAAAAAAAAAAAADwAAACADAAAAAAAAAAAAAAEAAACgMgAAVgcAAKr4//8BAAAAf39/AAEAAABkAAAAAAAAABQAAABAHwAAAAAAACYAAAAAAAAAwOD//wAAAAAmAAAAZAAAABYAAABMAAAAAAAAAAAAAAAEAAAAAAAAAAEAAACAgIAKAAAAACgAAAAoAAAAZAAAAGQAAAAAAAAAzMzMAAAAAABQAAAAUAAAAGQAAABkAAAAAAAAAAcAAAA4AAAAAAAAAAAAAAAAAAAA////AAAAAAAAAAAAAAAAAAAAAAAAAAAAAAAAAAAAAABkAAAAZAAAAAAAAAAjAAAABAAAAGQAAAAXAAAAFAAAAAAAAAAAAAAA/38AAP9/AAAAAAAACQAAAAQAAACcxxIMDAAAABAAAAAAAAAAAAAAAAAAAAAAAAAAHgAAAGgAAAAAAAAAAAAAAAAAAAAAAAAAAAAAABAnAAAQJwAAAAAAAAAAAAAAAAAAAAAAAAAAAAAAAAAAAAAAAAAAAAAUAAAAAAAAAMDA/wAAAAAAZAAAADIAAAAAAAAAZAAAAAAAAAB/f38ACgAAAB8AAABUAAAAu+DjBf///wEAAAAAAAAAAAAAAAAAAAAAAAAAAAAAAAAAAAAAAAAAAAAAAAJ/f38AgICAA8zMzADAwP8Af39/AAAAAAAAAAAAAAAAAP///wAAAAAAIQAAABgAAAAUAAAAOSAAAAYBAABtKgAA0A4AABAAAAAmAAAACAAAAP//////////"/>
+                <pr:smNativeData xmlns:pr="smNativeData" val="SMDATA_15_cFGrYxMAAAAlAAAAEQAAAC8BAAAAkAAAAEgAAACQAAAASAAAAAAAAAAAAAAAAAAAAAEAAABQAAAAAAAAAAAA4D8AAAAAAADgPwAAAAAAAOA/AAAAAAAA4D8AAAAAAADgPwAAAAAAAOA/AAAAAAAA4D8AAAAAAADgPwAAAAAAAOA/AAAAAAAA4D8CAAAAjAAAAAAAAAAAAAAAu+DjDP///wgAAAAAAAAAAAAAAAAAAAAAAAAAAAAAAAAAAAAAZAAAAAEAAABAAAAAAAAAAAAAAAAAAAAAAAAAAAAAAAAAAAAAAAAAAAAAAAAAAAAAAAAAAAAAAAAAAAAAAAAAAAAAAAAAAAAAAAAAAAAAAAAAAAAAAAAAAAAAAAAAAAAAFAAAADwAAAAAAAAAAAAAAAAAAAkUAAAAAQAAABQAAAAUAAAAFAAAAAEAAAAAAAAAZAAAAGQAAAAAAAAAZAAAAGQAAAAVAAAAYAAAAAAAAAAAAAAADwAAACADAAAAAAAAAAAAAAEAAACgMgAAVgcAAKr4//8BAAAAf39/AAEAAABkAAAAAAAAABQAAABAHwAAAAAAACYAAAAAAAAAwOD//wAAAAAmAAAAZAAAABYAAABMAAAAAAAAAAAAAAAEAAAAAAAAAAEAAACAgIAKAAAAACgAAAAoAAAAZAAAAGQAAAAAAAAAzMzMAAAAAABQAAAAUAAAAGQAAABkAAAAAAAAAAcAAAA4AAAAAAAAAAAAAAAAAAAA////AAAAAAAAAAAAAAAAAAAAAAAAAAAAAAAAAAAAAABkAAAAZAAAAAAAAAAjAAAABAAAAGQAAAAXAAAAFAAAAAAAAAAAAAAA/38AAP9/AAAAAAAACQAAAAQAAACcxxIMDAAAABAAAAAAAAAAAAAAAAAAAAAAAAAAHgAAAGgAAAAAAAAAAAAAAAAAAAAAAAAAAAAAABAnAAAQJwAAAAAAAAAAAAAAAAAAAAAAAAAAAAAAAAAAAAAAAAAAAAAUAAAAAAAAAMDA/wAAAAAAZAAAADIAAAAAAAAAZAAAAAAAAAB/f38ACgAAAB8AAABUAAAAu+DjBf///wEAAAAAAAAAAAAAAAAAAAAAAAAAAAAAAAAAAAAAAAAAAAAAAAJ/f38AgICAA8zMzADAwP8Af39/AAAAAAAAAAAAAAAAAP///wAAAAAAIQAAABgAAAAUAAAAOSAAAAYBAABtKgAA0A4AABAAAAAmAAAACAAAAP//////////"/>
               </a:ext>
             </a:extLst>
           </p:cNvPicPr>
@@ -3867,7 +3868,7 @@
             <a:picLocks noChangeAspect="1"/>
             <a:extLst>
               <a:ext uri="smNativeData">
-                <pr:smNativeData xmlns:pr="smNativeData" val="SMDATA_15_5iCqYxMAAAAlAAAAEQAAAC8BAAAAkAAAAEgAAACQAAAASAAAAAAAAAAAAAAAAAAAAAEAAABQAAAAAAAAAAAA4D8AAAAAAADgPwAAAAAAAOA/AAAAAAAA4D8AAAAAAADgPwAAAAAAAOA/AAAAAAAA4D8AAAAAAADgPwAAAAAAAOA/AAAAAAAA4D8CAAAAjAAAAAAAAAAAAAAAu+DjDP///wgAAAAAAAAAAAAAAAAAAAAAAAAAAAAAAAAAAAAAZAAAAAEAAABAAAAAAAAAAAAAAAAAAAAAAAAAAAAAAAAAAAAAAAAAAAAAAAAAAAAAAAAAAAAAAAAAAAAAAAAAAAAAAAAAAAAAAAAAAAAAAAAAAAAAAAAAAAAAAAAAAAAAFAAAADwAAAAAAAAAAAAAAAAAAAkUAAAAAQAAABQAAAAUAAAAFAAAAAEAAAAAAAAAZAAAAGQAAAAAAAAAZAAAAGQAAAAVAAAAYAAAAAAAAAAAAAAADwAAACADAAAAAAAAAAAAAAEAAACgMgAAVgcAAKr4//8BAAAAf39/AAEAAABkAAAAAAAAABQAAABAHwAAAAAAACYAAAAAAAAAwOD//wAAAAAmAAAAZAAAABYAAABMAAAAAAAAAAAAAAAEAAAAAAAAAAEAAACAgIAKAAAAACgAAAAoAAAAZAAAAGQAAAAAAAAAzMzMAAAAAABQAAAAUAAAAGQAAABkAAAAAAAAAAcAAAA4AAAAAAAAAAAAAAAAAAAA////AAAAAAAAAAAAAAAAAAAAAAAAAAAAAAAAAAAAAABkAAAAZAAAAAAAAAAjAAAABAAAAGQAAAAXAAAAFAAAAAAAAAAAAAAA/38AAP9/AAAAAAAACQAAAAQAAAD/////DAAAABAAAAAAAAAAAAAAAAAAAAAAAAAAHgAAAGgAAAAAAAAAAAAAAAAAAAAAAAAAAAAAABAnAAAQJwAAAAAAAAAAAAAAAAAAAAAAAAAAAAAAAAAAAAAAAAAAAAAUAAAAAAAAAMDA/wAAAAAAZAAAADIAAAAAAAAAZAAAAAAAAAB/f38ACgAAAB8AAABUAAAAu+DjBf///wEAAAAAAAAAAAAAAAAAAAAAAAAAAAAAAAAAAAAAAAAAAAAAAAJ/f38AgICAA8zMzADAwP8Af39/AAAAAAAAAAAAAAAAAP///wAAAAAAIQAAABgAAAAUAAAAKg0AAAIPAABHGAAAUxkAAAAAAAAmAAAACAAAAP//////////"/>
+                <pr:smNativeData xmlns:pr="smNativeData" val="SMDATA_15_cFGrYxMAAAAlAAAAEQAAAC8BAAAAkAAAAEgAAACQAAAASAAAAAAAAAAAAAAAAAAAAAEAAABQAAAAAAAAAAAA4D8AAAAAAADgPwAAAAAAAOA/AAAAAAAA4D8AAAAAAADgPwAAAAAAAOA/AAAAAAAA4D8AAAAAAADgPwAAAAAAAOA/AAAAAAAA4D8CAAAAjAAAAAAAAAAAAAAAu+DjDP///wgAAAAAAAAAAAAAAAAAAAAAAAAAAAAAAAAAAAAAZAAAAAEAAABAAAAAAAAAAAAAAAAAAAAAAAAAAAAAAAAAAAAAAAAAAAAAAAAAAAAAAAAAAAAAAAAAAAAAAAAAAAAAAAAAAAAAAAAAAAAAAAAAAAAAAAAAAAAAAAAAAAAAFAAAADwAAAAAAAAAAAAAAAAAAAkUAAAAAQAAABQAAAAUAAAAFAAAAAEAAAAAAAAAZAAAAGQAAAAAAAAAZAAAAGQAAAAVAAAAYAAAAAAAAAAAAAAADwAAACADAAAAAAAAAAAAAAEAAACgMgAAVgcAAKr4//8BAAAAf39/AAEAAABkAAAAAAAAABQAAABAHwAAAAAAACYAAAAAAAAAwOD//wAAAAAmAAAAZAAAABYAAABMAAAAAAAAAAAAAAAEAAAAAAAAAAEAAACAgIAKAAAAACgAAAAoAAAAZAAAAGQAAAAAAAAAzMzMAAAAAABQAAAAUAAAAGQAAABkAAAAAAAAAAcAAAA4AAAAAAAAAAAAAAAAAAAA////AAAAAAAAAAAAAAAAAAAAAAAAAAAAAAAAAAAAAABkAAAAZAAAAAAAAAAjAAAABAAAAGQAAAAXAAAAFAAAAAAAAAAAAAAA/38AAP9/AAAAAAAACQAAAAQAAAD/////DAAAABAAAAAAAAAAAAAAAAAAAAAAAAAAHgAAAGgAAAAAAAAAAAAAAAAAAAAAAAAAAAAAABAnAAAQJwAAAAAAAAAAAAAAAAAAAAAAAAAAAAAAAAAAAAAAAAAAAAAUAAAAAAAAAMDA/wAAAAAAZAAAADIAAAAAAAAAZAAAAAAAAAB/f38ACgAAAB8AAABUAAAAu+DjBf///wEAAAAAAAAAAAAAAAAAAAAAAAAAAAAAAAAAAAAAAAAAAAAAAAJ/f38AgICAA8zMzADAwP8Af39/AAAAAAAAAAAAAAAAAP///wAAAAAAIQAAABgAAAAUAAAAKg0AAAIPAABHGAAAUxkAABAAAAAmAAAACAAAAP//////////"/>
               </a:ext>
             </a:extLst>
           </p:cNvPicPr>
@@ -3901,7 +3902,7 @@
             <a:picLocks noChangeAspect="1"/>
             <a:extLst>
               <a:ext uri="smNativeData">
-                <pr:smNativeData xmlns:pr="smNativeData" val="SMDATA_15_5iCqYxMAAAAlAAAAEQAAAC8BAAAAkAAAAEgAAACQAAAASAAAAAAAAAAAAAAAAAAAAAEAAABQAAAAAAAAAAAA4D8AAAAAAADgPwAAAAAAAOA/AAAAAAAA4D8AAAAAAADgPwAAAAAAAOA/AAAAAAAA4D8AAAAAAADgPwAAAAAAAOA/AAAAAAAA4D8CAAAAjAAAAAAAAAAAAAAAu+DjDP///wgAAAAAAAAAAAAAAAAAAAAAAAAAAAAAAAAAAAAAZAAAAAEAAABAAAAAAAAAAAAAAAAAAAAAAAAAAAAAAAAAAAAAAAAAAAAAAAAAAAAAAAAAAAAAAAAAAAAAAAAAAAAAAAAAAAAAAAAAAAAAAAAAAAAAAAAAAAAAAAAAAAAAFAAAADwAAAAAAAAAAAAAAAAAAAkUAAAAAQAAABQAAAAUAAAAFAAAAAEAAAAAAAAAZAAAAGQAAAAAAAAAZAAAAGQAAAAVAAAAYAAAAAAAAAAAAAAADwAAACADAAAAAAAAAAAAAAEAAACgMgAAVgcAAKr4//8BAAAAf39/AAEAAABkAAAAAAAAABQAAABAHwAAAAAAACYAAAAAAAAAwOD//wAAAAAmAAAAZAAAABYAAABMAAAAAAAAAAAAAAAEAAAAAAAAAAEAAACAgIAKAAAAACgAAAAoAAAAZAAAAGQAAAAAAAAAzMzMAAAAAABQAAAAUAAAAGQAAABkAAAAAAAAAAcAAAA4AAAAAAAAAAAAAAAAAAAA////AAAAAAAAAAAAAAAAAAAAAAAAAAAAAAAAAAAAAABkAAAAZAAAAAAAAAAjAAAABAAAAGQAAAAXAAAAFAAAAAAAAAAAAAAA/38AAP9/AAAAAAAACQAAAAQAAAC6AgAADAAAABAAAAAAAAAAAAAAAAAAAAAAAAAAHgAAAGgAAAAAAAAAAAAAAAAAAAAAAAAAAAAAABAnAAAQJwAAAAAAAAAAAAAAAAAAAAAAAAAAAAAAAAAAAAAAAAAAAAAUAAAAAAAAAMDA/wAAAAAAZAAAADIAAAAAAAAAZAAAAAAAAAB/f38ACgAAAB8AAABUAAAAu+DjBf///wEAAAAAAAAAAAAAAAAAAAAAAAAAAAAAAAAAAAAAAAAAAAAAAAJ/f38AgICAA8zMzADAwP8Af39/AAAAAAAAAAAAAAAAAP///wAAAAAAIQAAABgAAAAUAAAAVRgAAAIPAAAEIwAAKRkAAAAAAAAmAAAACAAAAP//////////"/>
+                <pr:smNativeData xmlns:pr="smNativeData" val="SMDATA_15_cFGrYxMAAAAlAAAAEQAAAC8BAAAAkAAAAEgAAACQAAAASAAAAAAAAAAAAAAAAAAAAAEAAABQAAAAAAAAAAAA4D8AAAAAAADgPwAAAAAAAOA/AAAAAAAA4D8AAAAAAADgPwAAAAAAAOA/AAAAAAAA4D8AAAAAAADgPwAAAAAAAOA/AAAAAAAA4D8CAAAAjAAAAAAAAAAAAAAAu+DjDP///wgAAAAAAAAAAAAAAAAAAAAAAAAAAAAAAAAAAAAAZAAAAAEAAABAAAAAAAAAAAAAAAAAAAAAAAAAAAAAAAAAAAAAAAAAAAAAAAAAAAAAAAAAAAAAAAAAAAAAAAAAAAAAAAAAAAAAAAAAAAAAAAAAAAAAAAAAAAAAAAAAAAAAFAAAADwAAAAAAAAAAAAAAAAAAAkUAAAAAQAAABQAAAAUAAAAFAAAAAEAAAAAAAAAZAAAAGQAAAAAAAAAZAAAAGQAAAAVAAAAYAAAAAAAAAAAAAAADwAAACADAAAAAAAAAAAAAAEAAACgMgAAVgcAAKr4//8BAAAAf39/AAEAAABkAAAAAAAAABQAAABAHwAAAAAAACYAAAAAAAAAwOD//wAAAAAmAAAAZAAAABYAAABMAAAAAAAAAAAAAAAEAAAAAAAAAAEAAACAgIAKAAAAACgAAAAoAAAAZAAAAGQAAAAAAAAAzMzMAAAAAABQAAAAUAAAAGQAAABkAAAAAAAAAAcAAAA4AAAAAAAAAAAAAAAAAAAA////AAAAAAAAAAAAAAAAAAAAAAAAAAAAAAAAAAAAAABkAAAAZAAAAAAAAAAjAAAABAAAAGQAAAAXAAAAFAAAAAAAAAAAAAAA/38AAP9/AAAAAAAACQAAAAQAAAC6AgAADAAAABAAAAAAAAAAAAAAAAAAAAAAAAAAHgAAAGgAAAAAAAAAAAAAAAAAAAAAAAAAAAAAABAnAAAQJwAAAAAAAAAAAAAAAAAAAAAAAAAAAAAAAAAAAAAAAAAAAAAUAAAAAAAAAMDA/wAAAAAAZAAAADIAAAAAAAAAZAAAAAAAAAB/f38ACgAAAB8AAABUAAAAu+DjBf///wEAAAAAAAAAAAAAAAAAAAAAAAAAAAAAAAAAAAAAAAAAAAAAAAJ/f38AgICAA8zMzADAwP8Af39/AAAAAAAAAAAAAAAAAP///wAAAAAAIQAAABgAAAAUAAAAVRgAAAIPAAAEIwAAKRkAABAAAAAmAAAACAAAAP//////////"/>
               </a:ext>
             </a:extLst>
           </p:cNvPicPr>
@@ -3935,7 +3936,7 @@
             <a:picLocks noChangeAspect="1"/>
             <a:extLst>
               <a:ext uri="smNativeData">
-                <pr:smNativeData xmlns:pr="smNativeData" val="SMDATA_15_5iCqYxMAAAAlAAAAEQAAAC8BAAAAkAAAAEgAAACQAAAASAAAAAAAAAAAAAAAAAAAAAEAAABQAAAAAAAAAAAA4D8AAAAAAADgPwAAAAAAAOA/AAAAAAAA4D8AAAAAAADgPwAAAAAAAOA/AAAAAAAA4D8AAAAAAADgPwAAAAAAAOA/AAAAAAAA4D8CAAAAjAAAAAAAAAAAAAAAu+DjDP///wgAAAAAAAAAAAAAAAAAAAAAAAAAAAAAAAAAAAAAZAAAAAEAAABAAAAAAAAAAAAAAAAAAAAAAAAAAAAAAAAAAAAAAAAAAAAAAAAAAAAAAAAAAAAAAAAAAAAAAAAAAAAAAAAAAAAAAAAAAAAAAAAAAAAAAAAAAAAAAAAAAAAAFAAAADwAAAAAAAAAAAAAAAAAAAkUAAAAAQAAABQAAAAUAAAAFAAAAAEAAAAAAAAAZAAAAGQAAAAAAAAAZAAAAGQAAAAVAAAAYAAAAAAAAAAAAAAADwAAACADAAAAAAAAAAAAAAEAAACgMgAAVgcAAKr4//8BAAAAf39/AAEAAABkAAAAAAAAABQAAABAHwAAAAAAACYAAAAAAAAAwOD//wAAAAAmAAAAZAAAABYAAABMAAAAAAAAAAAAAAAEAAAAAAAAAAEAAACAgIAKAAAAACgAAAAoAAAAZAAAAGQAAAAAAAAAzMzMAAAAAABQAAAAUAAAAGQAAABkAAAAAAAAAAcAAAA4AAAAAAAAAAAAAAAAAAAA////AAAAAAAAAAAAAAAAAAAAAAAAAAAAAAAAAAAAAABkAAAAZAAAAAAAAAAjAAAABAAAAGQAAAAXAAAAFAAAAAAAAAAAAAAA/38AAP9/AAAAAAAACQAAAAQAAAAAAAAADAAAABAAAAAAAAAAAAAAAAAAAAAAAAAAHgAAAGgAAAAAAAAAAAAAAAAAAAAAAAAAAAAAABAnAAAQJwAAAAAAAAAAAAAAAAAAAAAAAAAAAAAAAAAAAAAAAAAAAAAUAAAAAAAAAMDA/wAAAAAAZAAAADIAAAAAAAAAZAAAAAAAAAB/f38ACgAAAB8AAABUAAAAu+DjBf///wEAAAAAAAAAAAAAAAAAAAAAAAAAAAAAAAAAAAAAAAAAAAAAAAJ/f38AgICAA8zMzADAwP8Af39/AAAAAAAAAAAAAAAAAP///wAAAAAAIQAAABgAAAAUAAAAUwEAAAIPAADODAAAKRkAAAAAAAAmAAAACAAAAP//////////"/>
+                <pr:smNativeData xmlns:pr="smNativeData" val="SMDATA_15_cFGrYxMAAAAlAAAAEQAAAC8BAAAAkAAAAEgAAACQAAAASAAAAAAAAAAAAAAAAAAAAAEAAABQAAAAAAAAAAAA4D8AAAAAAADgPwAAAAAAAOA/AAAAAAAA4D8AAAAAAADgPwAAAAAAAOA/AAAAAAAA4D8AAAAAAADgPwAAAAAAAOA/AAAAAAAA4D8CAAAAjAAAAAAAAAAAAAAAu+DjDP///wgAAAAAAAAAAAAAAAAAAAAAAAAAAAAAAAAAAAAAZAAAAAEAAABAAAAAAAAAAAAAAAAAAAAAAAAAAAAAAAAAAAAAAAAAAAAAAAAAAAAAAAAAAAAAAAAAAAAAAAAAAAAAAAAAAAAAAAAAAAAAAAAAAAAAAAAAAAAAAAAAAAAAFAAAADwAAAAAAAAAAAAAAAAAAAkUAAAAAQAAABQAAAAUAAAAFAAAAAEAAAAAAAAAZAAAAGQAAAAAAAAAZAAAAGQAAAAVAAAAYAAAAAAAAAAAAAAADwAAACADAAAAAAAAAAAAAAEAAACgMgAAVgcAAKr4//8BAAAAf39/AAEAAABkAAAAAAAAABQAAABAHwAAAAAAACYAAAAAAAAAwOD//wAAAAAmAAAAZAAAABYAAABMAAAAAAAAAAAAAAAEAAAAAAAAAAEAAACAgIAKAAAAACgAAAAoAAAAZAAAAGQAAAAAAAAAzMzMAAAAAABQAAAAUAAAAGQAAABkAAAAAAAAAAcAAAA4AAAAAAAAAAAAAAAAAAAA////AAAAAAAAAAAAAAAAAAAAAAAAAAAAAAAAAAAAAABkAAAAZAAAAAAAAAAjAAAABAAAAGQAAAAXAAAAFAAAAAAAAAAAAAAA/38AAP9/AAAAAAAACQAAAAQAAAAAAAAADAAAABAAAAAAAAAAAAAAAAAAAAAAAAAAHgAAAGgAAAAAAAAAAAAAAAAAAAAAAAAAAAAAABAnAAAQJwAAAAAAAAAAAAAAAAAAAAAAAAAAAAAAAAAAAAAAAAAAAAAUAAAAAAAAAMDA/wAAAAAAZAAAADIAAAAAAAAAZAAAAAAAAAB/f38ACgAAAB8AAABUAAAAu+DjBf///wEAAAAAAAAAAAAAAAAAAAAAAAAAAAAAAAAAAAAAAAAAAAAAAAJ/f38AgICAA8zMzADAwP8Af39/AAAAAAAAAAAAAAAAAP///wAAAAAAIQAAABgAAAAUAAAAUwEAAAIPAADODAAAKRkAABAAAAAmAAAACAAAAP//////////"/>
               </a:ext>
             </a:extLst>
           </p:cNvPicPr>
@@ -3951,6 +3952,72 @@
           <a:xfrm>
             <a:off x="215265" y="2439670"/>
             <a:ext cx="1866265" cy="1650365"/>
+          </a:xfrm>
+          <a:prstGeom prst="rect">
+            <a:avLst/>
+          </a:prstGeom>
+          <a:noFill/>
+          <a:ln>
+            <a:noFill/>
+          </a:ln>
+          <a:effectLst/>
+        </p:spPr>
+      </p:pic>
+    </p:spTree>
+  </p:cSld>
+  <p:clrMapOvr>
+    <a:masterClrMapping/>
+  </p:clrMapOvr>
+  <p:timing>
+    <p:tnLst>
+      <p:par>
+        <p:cTn id="1" dur="indefinite" restart="never" nodeType="tmRoot"/>
+      </p:par>
+    </p:tnLst>
+  </p:timing>
+</p:sld>
+</file>
+
+<file path=ppt/slides/slide3.xml><?xml version="1.0" encoding="utf-8"?>
+<p:sld xmlns:p="http://schemas.openxmlformats.org/presentationml/2006/main" xmlns:p14="http://schemas.microsoft.com/office/powerpoint/2010/main" xmlns:r="http://schemas.openxmlformats.org/officeDocument/2006/relationships" xmlns:a="http://schemas.openxmlformats.org/drawingml/2006/main">
+  <p:cSld>
+    <p:spTree>
+      <p:nvGrpSpPr>
+        <p:cNvPr id="1" name=""/>
+        <p:cNvGrpSpPr/>
+        <p:nvPr/>
+      </p:nvGrpSpPr>
+      <p:grpSpPr>
+        <a:xfrm>
+          <a:off x="0" y="0"/>
+          <a:ext cx="0" cy="0"/>
+          <a:chOff x="0" y="0"/>
+          <a:chExt cx="0" cy="0"/>
+        </a:xfrm>
+      </p:grpSpPr>
+      <p:pic>
+        <p:nvPicPr>
+          <p:cNvPr id="2" name="Picture1"/>
+          <p:cNvPicPr>
+            <a:picLocks noChangeAspect="1"/>
+            <a:extLst>
+              <a:ext uri="smNativeData">
+                <pr:smNativeData xmlns:pr="smNativeData" val="SMDATA_15_cFGrYxMAAAAlAAAAEQAAAC8BAAAAkAAAAEgAAACQAAAASAAAAAAAAAAAAAAAAAAAAAEAAABQAAAAAAAAAAAA4D8AAAAAAADgPwAAAAAAAOA/AAAAAAAA4D8AAAAAAADgPwAAAAAAAOA/AAAAAAAA4D8AAAAAAADgPwAAAAAAAOA/AAAAAAAA4D8CAAAAjAAAAAAAAAAAAAAAu+DjDP///wgAAAAAAAAAAAAAAAAAAAAAAAAAAAAAAAAAAAAAZAAAAAEAAABAAAAAAAAAAAAAAAAAAAAAAAAAAAAAAAAAAAAAAAAAAAAAAAAAAAAAAAAAAAAAAAAAAAAAAAAAAAAAAAAAAAAAAAAAAAAAAAAAAAAAAAAAAAAAAAAAAAAAFAAAADwAAAAAAAAAAAAAAAAAAAkUAAAAAQAAABQAAAAUAAAAFAAAAAEAAAAAAAAAZAAAAGQAAAAAAAAAZAAAAGQAAAAVAAAAYAAAAAAAAAAAAAAADwAAACADAAAAAAAAAAAAAAEAAACgMgAAVgcAAKr4//8BAAAAf39/AAEAAABkAAAAAAAAABQAAABAHwAAAAAAACYAAAAAAAAAwOD//wAAAAAmAAAAZAAAABYAAABMAAAAAAAAAAAAAAAEAAAAAAAAAAEAAACAgIAKAAAAACgAAAAoAAAAZAAAAGQAAAAAAAAAzMzMAAAAAABQAAAAUAAAAGQAAABkAAAAAAAAAAcAAAA4AAAAAAAAAAAAAAAAAAAA////AAAAAAAAAAAAAAAAAAAAAAAAAAAAAAAAAAAAAABkAAAAZAAAAAAAAAAjAAAABAAAAGQAAAAXAAAAFAAAAAAAAAAAAAAA/38AAP9/AAAAAAAACQAAAAQAAABEqHYJDAAAABAAAAAAAAAAAAAAAAAAAAAAAAAAHgAAAGgAAAAAAAAAAAAAAAAAAAAAAAAAAAAAABAnAAAQJwAAAAAAAAAAAAAAAAAAAAAAAAAAAAAAAAAAAAAAAAAAAAAUAAAAAAAAAMDA/wAAAAAAZAAAADIAAAAAAAAAZAAAAAAAAAB/f38ACgAAAB8AAABUAAAAu+DjBf///wEAAAAAAAAAAAAAAAAAAAAAAAAAAAAAAAAAAAAAAAAAAAAAAAJ/f38AgICAA8zMzADAwP8Af39/AAAAAAAAAAAAAAAAAP///wAAAAAAIQAAABgAAAAUAAAAiAMAABAHAADkLgAADBoAAAAAAAAmAAAACAAAAP//////////"/>
+              </a:ext>
+            </a:extLst>
+          </p:cNvPicPr>
+          <p:nvPr/>
+        </p:nvPicPr>
+        <p:blipFill>
+          <a:blip r:embed="rId2"/>
+          <a:stretch>
+            <a:fillRect/>
+          </a:stretch>
+        </p:blipFill>
+        <p:spPr>
+          <a:xfrm>
+            <a:off x="574040" y="1148080"/>
+            <a:ext cx="7048500" cy="3086100"/>
           </a:xfrm>
           <a:prstGeom prst="rect">
             <a:avLst/>
@@ -4761,6 +4828,47 @@
       </a:clrScheme>
       <a:clrMap bg1="lt1" tx1="dk1" bg2="lt2" tx2="dk2" accent1="accent1" accent2="accent2" accent3="accent3" accent4="accent4" accent5="accent5" accent6="accent6" hlink="hlink" folHlink="folHlink"/>
     </a:extraClrScheme>
+    <a:extraClrScheme>
+      <a:clrScheme name="Presentation 14">
+        <a:dk1>
+          <a:srgbClr val="000000"/>
+        </a:dk1>
+        <a:lt1>
+          <a:srgbClr val="FFFFFF"/>
+        </a:lt1>
+        <a:dk2>
+          <a:srgbClr val="000000"/>
+        </a:dk2>
+        <a:lt2>
+          <a:srgbClr val="808080"/>
+        </a:lt2>
+        <a:accent1>
+          <a:srgbClr val="BBE0E3"/>
+        </a:accent1>
+        <a:accent2>
+          <a:srgbClr val="333399"/>
+        </a:accent2>
+        <a:accent3>
+          <a:srgbClr val="535379"/>
+        </a:accent3>
+        <a:accent4>
+          <a:srgbClr val="737359"/>
+        </a:accent4>
+        <a:accent5>
+          <a:srgbClr val="939339"/>
+        </a:accent5>
+        <a:accent6>
+          <a:srgbClr val="B3B319"/>
+        </a:accent6>
+        <a:hlink>
+          <a:srgbClr val="009999"/>
+        </a:hlink>
+        <a:folHlink>
+          <a:srgbClr val="99CC00"/>
+        </a:folHlink>
+      </a:clrScheme>
+      <a:clrMap bg1="lt1" tx1="dk1" bg2="lt2" tx2="dk2" accent1="accent1" accent2="accent2" accent3="accent3" accent4="accent4" accent5="accent5" accent6="accent6" hlink="hlink" folHlink="folHlink"/>
+    </a:extraClrScheme>
   </a:extraClrSchemeLst>
 </a:theme>
 </file>
--- a/images/WebFig.pptx
+++ b/images/WebFig.pptx
@@ -8,6 +8,7 @@
     <p:sldId id="256" r:id="rId6"/>
     <p:sldId id="257" r:id="rId7"/>
     <p:sldId id="258" r:id="rId8"/>
+    <p:sldId id="259" r:id="rId9"/>
   </p:sldIdLst>
   <p:sldSz cx="9144000" cy="6858000"/>
   <p:notesSz cx="6858000" cy="9144000"/>
@@ -238,7 +239,7 @@
             <a:spLocks noGrp="1" noChangeArrowheads="1"/>
             <a:extLst>
               <a:ext uri="smNativeData">
-                <pr:smNativeData xmlns:pr="smNativeData" val="SMDATA_13_cFGrYxMAAAAlAAAAZAAAAA8BAAAAkAAAAEgAAACQAAAASAAAAAAAAAABAAAAAAAAAAEAAABQAAAAAAAAAAAA4D8AAAAAAADgPwAAAAAAAOA/AAAAAAAA4D8AAAAAAADgPwAAAAAAAOA/AAAAAAAA4D8AAAAAAADgPwAAAAAAAOA/AAAAAAAA4D8CAAAAjAAAAAAAAAAAAAAAu+DjDP///wgAAAAAAAAAAAAAAAAAAAAAAAAAAAAAAAAAAAAAZAAAAAEAAABAAAAAAAAAAAAAAAAAAAAAAAAAAAAAAAAAAAAAAAAAAAAAAAAAAAAAAAAAAAAAAAAAAAAAAAAAAAAAAAAAAAAAAAAAAAAAAAAAAAAAAAAAAAAAAAAAAAAAFAAAADwAAAAAAAAAAAAAAAAAAAkUAAAAAQAAABQAAAAUAAAAFAAAAAEAAAAAAAAAZAAAAGQAAAAAAAAAZAAAAGQAAAAVAAAAYAAAAAAAAAAAAAAADwAAACADAAAAAAAAAAAAAAEAAACgMgAAVgcAAKr4//8BAAAAf39/AAEAAABkAAAAAAAAABQAAABAHwAAAAAAACYAAAAAAAAAwOD//wAAAAAmAAAAZAAAABYAAABMAAAAAAAAAAAAAAAEAAAAAAAAAAEAAACAgIAKAAAAACgAAAAoAAAAZAAAAGQAAAAAAAAAzMzMAAAAAABQAAAAUAAAAGQAAABkAAAAAAAAABcAAAAUAAAAAAAAAAAAAAD/fwAA/38AAAAAAAAJAAAABAAAAAAAAAAMAAAAEAAAAAAAAAAAAAAAAAAAAAAAAAAeAAAAaAAAAAAAAAAAAAAAAAAAAAAAAAAAAAAAECcAABAnAAAAAAAAAAAAAAAAAAAAAAAAAAAAAAAAAAAAAAAAAAAAABQAAAAAAAAAwMD/AAAAAABkAAAAMgAAAAAAAABkAAAAAAAAAH9/fwAKAAAAHwAAAFQAAAAAAAAFAAAAAQAAAAAAAAAAAAAAAAAAAAAAAAAAAAAAAAAAAAAAAAAAAAAAAn9/fwAAAAADzMzMAMDA/wB/f38AAAAAAAAAAAAAAAAAAAAAAAAAAAAhAAAAGAAAABQAAAA4BAAAGg0AAAg0AAAmFgAAEAAAACYAAAAIAAAAAQAAAAAAAAA="/>
+                <pr:smNativeData xmlns:pr="smNativeData" val="SMDATA_13_B6msYxMAAAAlAAAAZAAAAA8BAAAAkAAAAEgAAACQAAAASAAAAAAAAAABAAAAAAAAAAEAAABQAAAAAAAAAAAA4D8AAAAAAADgPwAAAAAAAOA/AAAAAAAA4D8AAAAAAADgPwAAAAAAAOA/AAAAAAAA4D8AAAAAAADgPwAAAAAAAOA/AAAAAAAA4D8CAAAAjAAAAAAAAAAAAAAAu+DjDP///wgAAAAAAAAAAAAAAAAAAAAAAAAAAAAAAAAAAAAAZAAAAAEAAABAAAAAAAAAAAAAAAAAAAAAAAAAAAAAAAAAAAAAAAAAAAAAAAAAAAAAAAAAAAAAAAAAAAAAAAAAAAAAAAAAAAAAAAAAAAAAAAAAAAAAAAAAAAAAAAAAAAAAFAAAADwAAAAAAAAAAAAAAAAAAAkUAAAAAQAAABQAAAAUAAAAFAAAAAEAAAAAAAAAZAAAAGQAAAAAAAAAZAAAAGQAAAAVAAAAYAAAAAAAAAAAAAAADwAAACADAAAAAAAAAAAAAAEAAACgMgAAVgcAAKr4//8BAAAAf39/AAEAAABkAAAAAAAAABQAAABAHwAAAAAAACYAAAAAAAAAwOD//wAAAAAmAAAAZAAAABYAAABMAAAAAAAAAAAAAAAEAAAAAAAAAAEAAACAgIAKAAAAACgAAAAoAAAAZAAAAGQAAAAAAAAAzMzMAAAAAABQAAAAUAAAAGQAAABkAAAAAAAAABcAAAAUAAAAAAAAAAAAAAD/fwAA/38AAAAAAAAJAAAABAAAAAAAAAAMAAAAEAAAAAAAAAAAAAAAAAAAAAAAAAAeAAAAaAAAAAAAAAAAAAAAAAAAAAAAAAAAAAAAECcAABAnAAAAAAAAAAAAAAAAAAAAAAAAAAAAAAAAAAAAAAAAAAAAABQAAAAAAAAAwMD/AAAAAABkAAAAMgAAAAAAAABkAAAAAAAAAH9/fwAKAAAAHwAAAFQAAAAAAAAFAAAAAQAAAAAAAAAAAAAAAAAAAAAAAAAAAAAAAAAAAAAAAAAAAAAAAn9/fwAAAAADzMzMAMDA/wB/f38AAAAAAAAAAAAAAAAAAAAAAAAAAAAhAAAAGAAAABQAAAA4BAAAGg0AAAg0AAAmFgAAEAAAACYAAAAIAAAAAQAAAAAAAAA="/>
               </a:ext>
             </a:extLst>
           </p:cNvSpPr>
@@ -270,7 +271,7 @@
             <a:spLocks noGrp="1" noChangeArrowheads="1"/>
             <a:extLst>
               <a:ext uri="smNativeData">
-                <pr:smNativeData xmlns:pr="smNativeData" val="SMDATA_13_cFGrYxMAAAAlAAAAZAAAAA8BAAAAkAAAAEgAAACQAAAASAAAAAAAAAAAAAAAAAAAAAEAAABQAAAAAAAAAAAA4D8AAAAAAADgPwAAAAAAAOA/AAAAAAAA4D8AAAAAAADgPwAAAAAAAOA/AAAAAAAA4D8AAAAAAADgPwAAAAAAAOA/AAAAAAAA4D8CAAAAjAAAAAAAAAAAAAAAu+DjDP///wgAAAAAAAAAAAAAAAAAAAAAAAAAAAAAAAAAAAAAZAAAAAEAAABAAAAAAAAAAAAAAAAAAAAAAAAAAAAAAAAAAAAAAAAAAAAAAAAAAAAAAAAAAAAAAAAAAAAAAAAAAAAAAAAAAAAAAAAAAAAAAAAAAAAAAAAAAAAAAAAAAAAAFAAAADwAAAAAAAAAAAAAAAAAAAkUAAAAAQAAABQAAAAUAAAAFAAAAAEAAAAAAAAAZAAAAGQAAAAAAAAAZAAAAGQAAAAVAAAAYAAAAAAAAAAAAAAADwAAACADAAAAAAAAAAAAAAEAAACgMgAAVgcAAKr4//8BAAAAf39/AAEAAABkAAAAAAAAABQAAABAHwAAAAAAACYAAAAAAAAAwOD//wAAAAAmAAAAZAAAABYAAABMAAAAAAAAAAAAAAAEAAAAAAAAAAEAAACAgIAKAAAAACgAAAAoAAAAZAAAAGQAAAAAAAAAzMzMAAAAAABQAAAAUAAAAGQAAABkAAAAAAAAABcAAAAUAAAAAAAAAAAAAAD/fwAA/38AAAAAAAAJAAAABAAAAAAAAAAMAAAAEAAAAAAAAAAAAAAAAAAAAAAAAAAeAAAAaAAAAAAAAAAAAAAAAAAAAAAAAAAAAAAAECcAABAnAAAAAAAAAAAAAAAAAAAAAAAAAAAAAAAAAAAAAAAAAAAAABQAAAAAAAAAwMD/AAAAAABkAAAAMgAAAAAAAABkAAAAAAAAAH9/fwAKAAAAHwAAAFQAAAAAAAAFAAAAAQAAAAAAAAAAAAAAAAAAAAAAAAAAAAAAAAAAAAAAAAAAAAAAAn9/fwAAAAADzMzMAMDA/wB/f38AAAAAAAAAAAAAAAAAAAAAAAAAAAAhAAAAGAAAABQAAABwCAAA6BcAANAvAACwIgAAEAAAACYAAAAIAAAAAYAAAAAAAAA="/>
+                <pr:smNativeData xmlns:pr="smNativeData" val="SMDATA_13_B6msYxMAAAAlAAAAZAAAAA8BAAAAkAAAAEgAAACQAAAASAAAAAAAAAAAAAAAAAAAAAEAAABQAAAAAAAAAAAA4D8AAAAAAADgPwAAAAAAAOA/AAAAAAAA4D8AAAAAAADgPwAAAAAAAOA/AAAAAAAA4D8AAAAAAADgPwAAAAAAAOA/AAAAAAAA4D8CAAAAjAAAAAAAAAAAAAAAu+DjDP///wgAAAAAAAAAAAAAAAAAAAAAAAAAAAAAAAAAAAAAZAAAAAEAAABAAAAAAAAAAAAAAAAAAAAAAAAAAAAAAAAAAAAAAAAAAAAAAAAAAAAAAAAAAAAAAAAAAAAAAAAAAAAAAAAAAAAAAAAAAAAAAAAAAAAAAAAAAAAAAAAAAAAAFAAAADwAAAAAAAAAAAAAAAAAAAkUAAAAAQAAABQAAAAUAAAAFAAAAAEAAAAAAAAAZAAAAGQAAAAAAAAAZAAAAGQAAAAVAAAAYAAAAAAAAAAAAAAADwAAACADAAAAAAAAAAAAAAEAAACgMgAAVgcAAKr4//8BAAAAf39/AAEAAABkAAAAAAAAABQAAABAHwAAAAAAACYAAAAAAAAAwOD//wAAAAAmAAAAZAAAABYAAABMAAAAAAAAAAAAAAAEAAAAAAAAAAEAAACAgIAKAAAAACgAAAAoAAAAZAAAAGQAAAAAAAAAzMzMAAAAAABQAAAAUAAAAGQAAABkAAAAAAAAABcAAAAUAAAAAAAAAAAAAAD/fwAA/38AAAAAAAAJAAAABAAAAAAAAAAMAAAAEAAAAAAAAAAAAAAAAAAAAAAAAAAeAAAAaAAAAAAAAAAAAAAAAAAAAAAAAAAAAAAAECcAABAnAAAAAAAAAAAAAAAAAAAAAAAAAAAAAAAAAAAAAAAAAAAAABQAAAAAAAAAwMD/AAAAAABkAAAAMgAAAAAAAABkAAAAAAAAAH9/fwAKAAAAHwAAAFQAAAAAAAAFAAAAAQAAAAAAAAAAAAAAAAAAAAAAAAAAAAAAAAAAAAAAAAAAAAAAAn9/fwAAAAADzMzMAMDA/wB/f38AAAAAAAAAAAAAAAAAAAAAAAAAAAAhAAAAGAAAABQAAABwCAAA6BcAANAvAACwIgAAEAAAACYAAAAIAAAAAYAAAAAAAAA="/>
               </a:ext>
             </a:extLst>
           </p:cNvSpPr>
@@ -330,7 +331,7 @@
             <a:spLocks noGrp="1" noChangeArrowheads="1"/>
             <a:extLst>
               <a:ext uri="smNativeData">
-                <pr:smNativeData xmlns:pr="smNativeData" val="SMDATA_13_cFGrYxMAAAAlAAAAZAAAAA8BAAAAkAAAAEgAAACQAAAASAAAAAAAAAABAAAAAAAAAAEAAABQAAAAAAAAAAAA4D8AAAAAAADgPwAAAAAAAOA/AAAAAAAA4D8AAAAAAADgPwAAAAAAAOA/AAAAAAAA4D8AAAAAAADgPwAAAAAAAOA/AAAAAAAA4D8CAAAAjAAAAAAAAAAAAAAAu+DjDP///wgAAAAAAAAAAAAAAAAAAAAAAAAAAAAAAAAAAAAAZAAAAAEAAABAAAAAAAAAAAAAAAAAAAAAAAAAAAAAAAAAAAAAAAAAAAAAAAAAAAAAAAAAAAAAAAAAAAAAAAAAAAAAAAAAAAAAAAAAAAAAAAAAAAAAAAAAAAAAAAAAAAAAFAAAADwAAAAAAAAAAAAAAAAAAAkUAAAAAQAAABQAAAAUAAAAFAAAAAEAAAAAAAAAZAAAAGQAAAAAAAAAZAAAAGQAAAAVAAAAYAAAAAAAAAAAAAAADwAAACADAAAAAAAAAAAAAAEAAACgMgAAVgcAAKr4//8BAAAAf39/AAEAAABkAAAAAAAAABQAAABAHwAAAAAAACYAAAAAAAAAwOD//wAAAAAmAAAAZAAAABYAAABMAAAAAAAAAAAAAAAEAAAAAAAAAAEAAACAgIAKAAAAACgAAAAoAAAAZAAAAGQAAAAAAAAAzMzMAAAAAABQAAAAUAAAAGQAAABkAAAAAAAAABcAAAAUAAAAAAAAAAAAAAD/fwAA/38AAAAAAAAJAAAABAAAAAAAAAAMAAAAEAAAAAAAAAAAAAAAAAAAAAAAAAAeAAAAaAAAAAAAAAAAAAAAAAAAAAAAAAAAAAAAECcAABAnAAAAAAAAAAAAAAAAAAAAAAAAAAAAAAAAAAAAAAAAAAAAABQAAAAAAAAAwMD/AAAAAABkAAAAMgAAAAAAAABkAAAAAAAAAH9/fwAKAAAAHwAAAFQAAAAAAAAFAAAAAQAAAAAAAAAAAAAAAAAAAAAAAAAAAAAAAAAAAAAAAAAAAAAAAn9/fwAAAAADzMzMAMDA/wB/f38AAAAAAAAAAAAAAAAAAAAAAAAAAAAhAAAAGAAAABQAAADQAgAAGycAAPAPAABZKQAAEAAAACYAAAAIAAAAAAAAAAAAAAA="/>
+                <pr:smNativeData xmlns:pr="smNativeData" val="SMDATA_13_B6msYxMAAAAlAAAAZAAAAA8BAAAAkAAAAEgAAACQAAAASAAAAAAAAAABAAAAAAAAAAEAAABQAAAAAAAAAAAA4D8AAAAAAADgPwAAAAAAAOA/AAAAAAAA4D8AAAAAAADgPwAAAAAAAOA/AAAAAAAA4D8AAAAAAADgPwAAAAAAAOA/AAAAAAAA4D8CAAAAjAAAAAAAAAAAAAAAu+DjDP///wgAAAAAAAAAAAAAAAAAAAAAAAAAAAAAAAAAAAAAZAAAAAEAAABAAAAAAAAAAAAAAAAAAAAAAAAAAAAAAAAAAAAAAAAAAAAAAAAAAAAAAAAAAAAAAAAAAAAAAAAAAAAAAAAAAAAAAAAAAAAAAAAAAAAAAAAAAAAAAAAAAAAAFAAAADwAAAAAAAAAAAAAAAAAAAkUAAAAAQAAABQAAAAUAAAAFAAAAAEAAAAAAAAAZAAAAGQAAAAAAAAAZAAAAGQAAAAVAAAAYAAAAAAAAAAAAAAADwAAACADAAAAAAAAAAAAAAEAAACgMgAAVgcAAKr4//8BAAAAf39/AAEAAABkAAAAAAAAABQAAABAHwAAAAAAACYAAAAAAAAAwOD//wAAAAAmAAAAZAAAABYAAABMAAAAAAAAAAAAAAAEAAAAAAAAAAEAAACAgIAKAAAAACgAAAAoAAAAZAAAAGQAAAAAAAAAzMzMAAAAAABQAAAAUAAAAGQAAABkAAAAAAAAABcAAAAUAAAAAAAAAAAAAAD/fwAA/38AAAAAAAAJAAAABAAAAAAAAAAMAAAAEAAAAAAAAAAAAAAAAAAAAAAAAAAeAAAAaAAAAAAAAAAAAAAAAAAAAAAAAAAAAAAAECcAABAnAAAAAAAAAAAAAAAAAAAAAAAAAAAAAAAAAAAAAAAAAAAAABQAAAAAAAAAwMD/AAAAAABkAAAAMgAAAAAAAABkAAAAAAAAAH9/fwAKAAAAHwAAAFQAAAAAAAAFAAAAAQAAAAAAAAAAAAAAAAAAAAAAAAAAAAAAAAAAAAAAAAAAAAAAAn9/fwAAAAADzMzMAMDA/wB/f38AAAAAAAAAAAAAAAAAAAAAAAAAAAAhAAAAGAAAABQAAADQAgAAGycAAPAPAABZKQAAEAAAACYAAAAIAAAAAAAAAAAAAAA="/>
               </a:ext>
             </a:extLst>
           </p:cNvSpPr>
@@ -344,7 +345,7 @@
           <a:lstStyle/>
           <a:p>
             <a:pPr/>
-            <a:fld id="{21E7F4BD-F3CC-B202-825F-0557BA117450}" type="datetime1">
+            <a:fld id="{1CA19C4C-02F1-F46A-BF19-F43FD25749A1}" type="datetime1">
               <a:t/>
             </a:fld>
           </a:p>
@@ -357,7 +358,7 @@
             <a:spLocks noGrp="1" noChangeArrowheads="1"/>
             <a:extLst>
               <a:ext uri="smNativeData">
-                <pr:smNativeData xmlns:pr="smNativeData" val="SMDATA_13_cFGrYxMAAAAlAAAAZAAAAA8BAAAAkAAAAEgAAACQAAAASAAAAAAAAAABAAAAAAAAAAEAAABQAAAAAAAAAAAA4D8AAAAAAADgPwAAAAAAAOA/AAAAAAAA4D8AAAAAAADgPwAAAAAAAOA/AAAAAAAA4D8AAAAAAADgPwAAAAAAAOA/AAAAAAAA4D8CAAAAjAAAAAAAAAAAAAAAu+DjDP///wgAAAAAAAAAAAAAAAAAAAAAAAAAAAAAAAAAAAAAZAAAAAEAAABAAAAAAAAAAAAAAAAAAAAAAAAAAAAAAAAAAAAAAAAAAAAAAAAAAAAAAAAAAAAAAAAAAAAAAAAAAAAAAAAAAAAAAAAAAAAAAAAAAAAAAAAAAAAAAAAAAAAAFAAAADwAAAAAAAAAAAAAAAAAAAkUAAAAAQAAABQAAAAUAAAAFAAAAAEAAAAAAAAAZAAAAGQAAAAAAAAAZAAAAGQAAAAVAAAAYAAAAAAAAAAAAAAADwAAACADAAAAAAAAAAAAAAEAAACgMgAAVgcAAKr4//8BAAAAf39/AAEAAABkAAAAAAAAABQAAABAHwAAAAAAACYAAAAAAAAAwOD//wAAAAAmAAAAZAAAABYAAABMAAAAAAAAAAAAAAAEAAAAAAAAAAEAAACAgIAKAAAAACgAAAAoAAAAZAAAAGQAAAAAAAAAzMzMAAAAAABQAAAAUAAAAGQAAABkAAAAAAAAABcAAAAUAAAAAAAAAAAAAAD/fwAA/38AAAAAAAAJAAAABAAAAElJSf8MAAAAEAAAAAAAAAAAAAAAAAAAAAAAAAAeAAAAaAAAAAAAAAAAAAAAAAAAAAAAAAAAAAAAECcAABAnAAAAAAAAAAAAAAAAAAAAAAAAAAAAAAAAAAAAAAAAAAAAABQAAAAAAAAAwMD/AAAAAABkAAAAMgAAAAAAAABkAAAAAAAAAH9/fwAKAAAAHwAAAFQAAAAAAAAFAAAAAQAAAAAAAAAAAAAAAAAAAAAAAAAAAAAAAAAAAAAAAAAAAAAAAn9/fwAAAAADzMzMAMDA/wB/f38AAAAAAAAAAAAAAAAAAAAAAAAAAAAhAAAAGAAAABQAAAA4EwAAGycAAAglAABZKQAAEAAAACYAAAAIAAAAAAAAAAAAAAA="/>
+                <pr:smNativeData xmlns:pr="smNativeData" val="SMDATA_13_B6msYxMAAAAlAAAAZAAAAA8BAAAAkAAAAEgAAACQAAAASAAAAAAAAAABAAAAAAAAAAEAAABQAAAAAAAAAAAA4D8AAAAAAADgPwAAAAAAAOA/AAAAAAAA4D8AAAAAAADgPwAAAAAAAOA/AAAAAAAA4D8AAAAAAADgPwAAAAAAAOA/AAAAAAAA4D8CAAAAjAAAAAAAAAAAAAAAu+DjDP///wgAAAAAAAAAAAAAAAAAAAAAAAAAAAAAAAAAAAAAZAAAAAEAAABAAAAAAAAAAAAAAAAAAAAAAAAAAAAAAAAAAAAAAAAAAAAAAAAAAAAAAAAAAAAAAAAAAAAAAAAAAAAAAAAAAAAAAAAAAAAAAAAAAAAAAAAAAAAAAAAAAAAAFAAAADwAAAAAAAAAAAAAAAAAAAkUAAAAAQAAABQAAAAUAAAAFAAAAAEAAAAAAAAAZAAAAGQAAAAAAAAAZAAAAGQAAAAVAAAAYAAAAAAAAAAAAAAADwAAACADAAAAAAAAAAAAAAEAAACgMgAAVgcAAKr4//8BAAAAf39/AAEAAABkAAAAAAAAABQAAABAHwAAAAAAACYAAAAAAAAAwOD//wAAAAAmAAAAZAAAABYAAABMAAAAAAAAAAAAAAAEAAAAAAAAAAEAAACAgIAKAAAAACgAAAAoAAAAZAAAAGQAAAAAAAAAzMzMAAAAAABQAAAAUAAAAGQAAABkAAAAAAAAABcAAAAUAAAAAAAAAAAAAAD/fwAA/38AAAAAAAAJAAAABAAAAElJSf8MAAAAEAAAAAAAAAAAAAAAAAAAAAAAAAAeAAAAaAAAAAAAAAAAAAAAAAAAAAAAAAAAAAAAECcAABAnAAAAAAAAAAAAAAAAAAAAAAAAAAAAAAAAAAAAAAAAAAAAABQAAAAAAAAAwMD/AAAAAABkAAAAMgAAAAAAAABkAAAAAAAAAH9/fwAKAAAAHwAAAFQAAAAAAAAFAAAAAQAAAAAAAAAAAAAAAAAAAAAAAAAAAAAAAAAAAAAAAAAAAAAAAn9/fwAAAAADzMzMAMDA/wB/f38AAAAAAAAAAAAAAAAAAAAAAAAAAAAhAAAAGAAAABQAAAA4EwAAGycAAAglAABZKQAAEAAAACYAAAAIAAAAAAAAAAAAAAA="/>
               </a:ext>
             </a:extLst>
           </p:cNvSpPr>
@@ -381,7 +382,7 @@
             <a:spLocks noGrp="1" noChangeArrowheads="1"/>
             <a:extLst>
               <a:ext uri="smNativeData">
-                <pr:smNativeData xmlns:pr="smNativeData" val="SMDATA_13_cFGrYxMAAAAlAAAAZAAAAA8BAAAAkAAAAEgAAACQAAAASAAAAAAAAAABAAAAAAAAAAEAAABQAAAAAAAAAAAA4D8AAAAAAADgPwAAAAAAAOA/AAAAAAAA4D8AAAAAAADgPwAAAAAAAOA/AAAAAAAA4D8AAAAAAADgPwAAAAAAAOA/AAAAAAAA4D8CAAAAjAAAAAAAAAAAAAAAu+DjDP///wgAAAAAAAAAAAAAAAAAAAAAAAAAAAAAAAAAAAAAZAAAAAEAAABAAAAAAAAAAAAAAAAAAAAAAAAAAAAAAAAAAAAAAAAAAAAAAAAAAAAAAAAAAAAAAAAAAAAAAAAAAAAAAAAAAAAAAAAAAAAAAAAAAAAAAAAAAAAAAAAAAAAAFAAAADwAAAAAAAAAAAAAAAAAAAkUAAAAAQAAABQAAAAUAAAAFAAAAAEAAAAAAAAAZAAAAGQAAAAAAAAAZAAAAGQAAAAVAAAAYAAAAAAAAAAAAAAADwAAACADAAAAAAAAAAAAAAEAAACgMgAAVgcAAKr4//8BAAAAf39/AAEAAABkAAAAAAAAABQAAABAHwAAAAAAACYAAAAAAAAAwOD//wAAAAAmAAAAZAAAABYAAABMAAAAAAAAAAAAAAAEAAAAAAAAAAEAAACAgIAKAAAAACgAAAAoAAAAZAAAAGQAAAAAAAAAzMzMAAAAAABQAAAAUAAAAGQAAABkAAAAAAAAABcAAAAUAAAAAAAAAAAAAAD/fwAA/38AAAAAAAAJAAAABAAAAAAAAAAMAAAAEAAAAAAAAAAAAAAAAAAAAAAAAAAeAAAAaAAAAAAAAAAAAAAAAAAAAAAAAAAAAAAAECcAABAnAAAAAAAAAAAAAAAAAAAAAAAAAAAAAAAAAAAAAAAAAAAAABQAAAAAAAAAwMD/AAAAAABkAAAAMgAAAAAAAABkAAAAAAAAAH9/fwAKAAAAHwAAAFQAAAAAAAAFAAAAAQAAAAAAAAAAAAAAAAAAAAAAAAAAAAAAAAAAAAAAAAAAAAAAAn9/fwAAAAADzMzMAMDA/wB/f38AAAAAAAAAAAAAAAAAAAAAAAAAAAAhAAAAGAAAABQAAABQKAAAGycAAHA1AABZKQAAEAAAACYAAAAIAAAAAAAAAAAAAAA="/>
+                <pr:smNativeData xmlns:pr="smNativeData" val="SMDATA_13_B6msYxMAAAAlAAAAZAAAAA8BAAAAkAAAAEgAAACQAAAASAAAAAAAAAABAAAAAAAAAAEAAABQAAAAAAAAAAAA4D8AAAAAAADgPwAAAAAAAOA/AAAAAAAA4D8AAAAAAADgPwAAAAAAAOA/AAAAAAAA4D8AAAAAAADgPwAAAAAAAOA/AAAAAAAA4D8CAAAAjAAAAAAAAAAAAAAAu+DjDP///wgAAAAAAAAAAAAAAAAAAAAAAAAAAAAAAAAAAAAAZAAAAAEAAABAAAAAAAAAAAAAAAAAAAAAAAAAAAAAAAAAAAAAAAAAAAAAAAAAAAAAAAAAAAAAAAAAAAAAAAAAAAAAAAAAAAAAAAAAAAAAAAAAAAAAAAAAAAAAAAAAAAAAFAAAADwAAAAAAAAAAAAAAAAAAAkUAAAAAQAAABQAAAAUAAAAFAAAAAEAAAAAAAAAZAAAAGQAAAAAAAAAZAAAAGQAAAAVAAAAYAAAAAAAAAAAAAAADwAAACADAAAAAAAAAAAAAAEAAACgMgAAVgcAAKr4//8BAAAAf39/AAEAAABkAAAAAAAAABQAAABAHwAAAAAAACYAAAAAAAAAwOD//wAAAAAmAAAAZAAAABYAAABMAAAAAAAAAAAAAAAEAAAAAAAAAAEAAACAgIAKAAAAACgAAAAoAAAAZAAAAGQAAAAAAAAAzMzMAAAAAABQAAAAUAAAAGQAAABkAAAAAAAAABcAAAAUAAAAAAAAAAAAAAD/fwAA/38AAAAAAAAJAAAABAAAAAAAAAAMAAAAEAAAAAAAAAAAAAAAAAAAAAAAAAAeAAAAaAAAAAAAAAAAAAAAAAAAAAAAAAAAAAAAECcAABAnAAAAAAAAAAAAAAAAAAAAAAAAAAAAAAAAAAAAAAAAAAAAABQAAAAAAAAAwMD/AAAAAABkAAAAMgAAAAAAAABkAAAAAAAAAH9/fwAKAAAAHwAAAFQAAAAAAAAFAAAAAQAAAAAAAAAAAAAAAAAAAAAAAAAAAAAAAAAAAAAAAAAAAAAAAn9/fwAAAAADzMzMAMDA/wB/f38AAAAAAAAAAAAAAAAAAAAAAAAAAAAhAAAAGAAAABQAAABQKAAAGycAAHA1AABZKQAAEAAAACYAAAAIAAAAAAAAAAAAAAA="/>
               </a:ext>
             </a:extLst>
           </p:cNvSpPr>
@@ -395,7 +396,7 @@
           <a:lstStyle/>
           <a:p>
             <a:pPr/>
-            <a:fld id="{21E79BE0-AECC-B26D-825F-5838D511740D}" type="slidenum">
+            <a:fld id="{1CA1F783-CDF1-F401-BF19-3B54B957496E}" type="slidenum">
               <a:t/>
             </a:fld>
           </a:p>
@@ -433,7 +434,7 @@
             <a:spLocks noGrp="1" noChangeArrowheads="1"/>
             <a:extLst>
               <a:ext uri="smNativeData">
-                <pr:smNativeData xmlns:pr="smNativeData" val="SMDATA_13_cFGrYxMAAAAlAAAAZAAAAA8BAAAAkAAAAEgAAACQAAAASAAAAAAAAAABAAAAAAAAAAEAAABQAAAAAAAAAAAA4D8AAAAAAADgPwAAAAAAAOA/AAAAAAAA4D8AAAAAAADgPwAAAAAAAOA/AAAAAAAA4D8AAAAAAADgPwAAAAAAAOA/AAAAAAAA4D8CAAAAjAAAAAAAAAAAAAAAu+DjDP///wgAAAAAAAAAAAAAAAAAAAAAAAAAAAAAAAAAAAAAZAAAAAEAAABAAAAAAAAAAAAAAAAAAAAAAAAAAAAAAAAAAAAAAAAAAAAAAAAAAAAAAAAAAAAAAAAAAAAAAAAAAAAAAAAAAAAAAAAAAAAAAAAAAAAAAAAAAAAAAAAAAAAAFAAAADwAAAAAAAAAAAAAAAAAAAkUAAAAAQAAABQAAAAUAAAAFAAAAAEAAAAAAAAAZAAAAGQAAAAAAAAAZAAAAGQAAAAVAAAAYAAAAAAAAAAAAAAADwAAACADAAAAAAAAAAAAAAEAAACgMgAAVgcAAKr4//8BAAAAf39/AAEAAABkAAAAAAAAABQAAABAHwAAAAAAACYAAAAAAAAAwOD//wAAAAAmAAAAZAAAABYAAABMAAAAAAAAAAAAAAAEAAAAAAAAAAEAAACAgIAKAAAAACgAAAAoAAAAZAAAAGQAAAAAAAAAzMzMAAAAAABQAAAAUAAAAGQAAABkAAAAAAAAABcAAAAUAAAAAAAAAAAAAAD/fwAA/38AAAAAAAAJAAAABAAAAAAAAAAMAAAAEAAAAAAAAAAAAAAAAAAAAAAAAAAeAAAAaAAAAAAAAAAAAAAAAAAAAAAAAAAAAAAAECcAABAnAAAAAAAAAAAAAAAAAAAAAAAAAAAAAAAAAAAAAAAAAAAAABQAAAAAAAAAwMD/AAAAAABkAAAAMgAAAAAAAABkAAAAAAAAAH9/fwAKAAAAHwAAAFQAAAAAAAAFAAAAAQAAAAAAAAAAAAAAAAAAAAAAAAAAAAAAAAAAAAAAAAAAAAAAAn9/fwAAAAADzMzMAMDA/wB/f38AAAAAAAAAAAAAAAAAAAAAAAAAAAAhAAAAGAAAABQAAADQAgAAsAEAAHA1AAC4CAAAEAAAACYAAAAIAAAAAAAAAAAAAAA="/>
+                <pr:smNativeData xmlns:pr="smNativeData" val="SMDATA_13_B6msYxMAAAAlAAAAZAAAAA8BAAAAkAAAAEgAAACQAAAASAAAAAAAAAABAAAAAAAAAAEAAABQAAAAAAAAAAAA4D8AAAAAAADgPwAAAAAAAOA/AAAAAAAA4D8AAAAAAADgPwAAAAAAAOA/AAAAAAAA4D8AAAAAAADgPwAAAAAAAOA/AAAAAAAA4D8CAAAAjAAAAAAAAAAAAAAAu+DjDP///wgAAAAAAAAAAAAAAAAAAAAAAAAAAAAAAAAAAAAAZAAAAAEAAABAAAAAAAAAAAAAAAAAAAAAAAAAAAAAAAAAAAAAAAAAAAAAAAAAAAAAAAAAAAAAAAAAAAAAAAAAAAAAAAAAAAAAAAAAAAAAAAAAAAAAAAAAAAAAAAAAAAAAFAAAADwAAAAAAAAAAAAAAAAAAAkUAAAAAQAAABQAAAAUAAAAFAAAAAEAAAAAAAAAZAAAAGQAAAAAAAAAZAAAAGQAAAAVAAAAYAAAAAAAAAAAAAAADwAAACADAAAAAAAAAAAAAAEAAACgMgAAVgcAAKr4//8BAAAAf39/AAEAAABkAAAAAAAAABQAAABAHwAAAAAAACYAAAAAAAAAwOD//wAAAAAmAAAAZAAAABYAAABMAAAAAAAAAAAAAAAEAAAAAAAAAAEAAACAgIAKAAAAACgAAAAoAAAAZAAAAGQAAAAAAAAAzMzMAAAAAABQAAAAUAAAAGQAAABkAAAAAAAAABcAAAAUAAAAAAAAAAAAAAD/fwAA/38AAAAAAAAJAAAABAAAAAAAAAAMAAAAEAAAAAAAAAAAAAAAAAAAAAAAAAAeAAAAaAAAAAAAAAAAAAAAAAAAAAAAAAAAAAAAECcAABAnAAAAAAAAAAAAAAAAAAAAAAAAAAAAAAAAAAAAAAAAAAAAABQAAAAAAAAAwMD/AAAAAABkAAAAMgAAAAAAAABkAAAAAAAAAH9/fwAKAAAAHwAAAFQAAAAAAAAFAAAAAQAAAAAAAAAAAAAAAAAAAAAAAAAAAAAAAAAAAAAAAAAAAAAAAn9/fwAAAAADzMzMAMDA/wB/f38AAAAAAAAAAAAAAAAAAAAAAAAAAAAhAAAAGAAAABQAAADQAgAAsAEAAHA1AAC4CAAAEAAAACYAAAAIAAAAAAAAAAAAAAA="/>
               </a:ext>
             </a:extLst>
           </p:cNvSpPr>
@@ -460,7 +461,7 @@
             <a:spLocks noGrp="1" noChangeArrowheads="1"/>
             <a:extLst>
               <a:ext uri="smNativeData">
-                <pr:smNativeData xmlns:pr="smNativeData" val="SMDATA_13_cFGrYxMAAAAlAAAAZAAAAA8BAAAAkAAAAEgAAACQAAAASAAAAAAAAAAAAAAAAQAAAAEAAABQAAAAAAAAAAAA4D8AAAAAAADgPwAAAAAAAOA/AAAAAAAA4D8AAAAAAADgPwAAAAAAAOA/AAAAAAAA4D8AAAAAAADgPwAAAAAAAOA/AAAAAAAA4D8CAAAAjAAAAAAAAAAAAAAAu+DjDP///wgAAAAAAAAAAAAAAAAAAAAAAAAAAAAAAAAAAAAAZAAAAAEAAABAAAAAAAAAAAAAAAAAAAAAAAAAAAAAAAAAAAAAAAAAAAAAAAAAAAAAAAAAAAAAAAAAAAAAAAAAAAAAAAAAAAAAAAAAAAAAAAAAAAAAAAAAAAAAAAAAAAAAFAAAADwAAAAAAAAAAAAAAAAAAAkUAAAAAQAAABQAAAAUAAAAFAAAAAEAAAAAAAAAZAAAAGQAAAAAAAAAZAAAAGQAAAAVAAAAYAAAAAAAAAAAAAAADwAAACADAAAAAAAAAAAAAAEAAACgMgAAVgcAAKr4//8BAAAAf39/AAEAAABkAAAAAAAAABQAAABAHwAAAAAAACYAAAAAAAAAwOD//wAAAAAmAAAAZAAAABYAAABMAAAAAAAAAAAAAAAEAAAAAAAAAAEAAACAgIAKAAAAACgAAAAoAAAAZAAAAGQAAAAAAAAAzMzMAAAAAABQAAAAUAAAAGQAAABkAAAAAAAAABcAAAAUAAAAAAAAAAAAAAD/fwAA/38AAAAAAAAJAAAABAAAAAAAAAAMAAAAEAAAAAAAAAAAAAAAAAAAAAAAAAAeAAAAaAAAAAAAAAAAAAAAAAAAAAAAAAAAAAAAECcAABAnAAAAAAAAAAAAAAAAAAAAAAAAAAAAAAAAAAAAAAAAAAAAABQAAAAAAAAAwMD/AAAAAABkAAAAMgAAAAAAAABkAAAAAAAAAH9/fwAKAAAAHwAAAFQAAAAAAAAFAAAAAQAAAAAAAAAAAAAAAAAAAAAAAAAAAAAAAAAAAAAAAAAAAAAAAn9/fwAAAAADzMzMAMDA/wB/f38AAAAAAAAAAAAAAAAAAAAAAAAAAAAhAAAAGAAAABQAAADQAgAA2AkAAHA1AACwJQAAEAAAACYAAAAIAAAAAgAAAAAAAAA="/>
+                <pr:smNativeData xmlns:pr="smNativeData" val="SMDATA_13_B6msYxMAAAAlAAAAZAAAAA8BAAAAkAAAAEgAAACQAAAASAAAAAAAAAAAAAAAAQAAAAEAAABQAAAAAAAAAAAA4D8AAAAAAADgPwAAAAAAAOA/AAAAAAAA4D8AAAAAAADgPwAAAAAAAOA/AAAAAAAA4D8AAAAAAADgPwAAAAAAAOA/AAAAAAAA4D8CAAAAjAAAAAAAAAAAAAAAu+DjDP///wgAAAAAAAAAAAAAAAAAAAAAAAAAAAAAAAAAAAAAZAAAAAEAAABAAAAAAAAAAAAAAAAAAAAAAAAAAAAAAAAAAAAAAAAAAAAAAAAAAAAAAAAAAAAAAAAAAAAAAAAAAAAAAAAAAAAAAAAAAAAAAAAAAAAAAAAAAAAAAAAAAAAAFAAAADwAAAAAAAAAAAAAAAAAAAkUAAAAAQAAABQAAAAUAAAAFAAAAAEAAAAAAAAAZAAAAGQAAAAAAAAAZAAAAGQAAAAVAAAAYAAAAAAAAAAAAAAADwAAACADAAAAAAAAAAAAAAEAAACgMgAAVgcAAKr4//8BAAAAf39/AAEAAABkAAAAAAAAABQAAABAHwAAAAAAACYAAAAAAAAAwOD//wAAAAAmAAAAZAAAABYAAABMAAAAAAAAAAAAAAAEAAAAAAAAAAEAAACAgIAKAAAAACgAAAAoAAAAZAAAAGQAAAAAAAAAzMzMAAAAAABQAAAAUAAAAGQAAABkAAAAAAAAABcAAAAUAAAAAAAAAAAAAAD/fwAA/38AAAAAAAAJAAAABAAAAAAAAAAMAAAAEAAAAAAAAAAAAAAAAAAAAAAAAAAeAAAAaAAAAAAAAAAAAAAAAAAAAAAAAAAAAAAAECcAABAnAAAAAAAAAAAAAAAAAAAAAAAAAAAAAAAAAAAAAAAAAAAAABQAAAAAAAAAwMD/AAAAAABkAAAAMgAAAAAAAABkAAAAAAAAAH9/fwAKAAAAHwAAAFQAAAAAAAAFAAAAAQAAAAAAAAAAAAAAAAAAAAAAAAAAAAAAAAAAAAAAAAAAAAAAAn9/fwAAAAADzMzMAMDA/wB/f38AAAAAAAAAAAAAAAAAAAAAAAAAAAAhAAAAGAAAABQAAADQAgAA2AkAAHA1AACwJQAAEAAAACYAAAAIAAAAAgAAAAAAAAA="/>
               </a:ext>
             </a:extLst>
           </p:cNvSpPr>
@@ -515,7 +516,7 @@
             <a:spLocks noGrp="1" noChangeArrowheads="1"/>
             <a:extLst>
               <a:ext uri="smNativeData">
-                <pr:smNativeData xmlns:pr="smNativeData" val="SMDATA_13_cFGrYxMAAAAlAAAAZAAAAA8BAAAAkAAAAEgAAACQAAAASAAAAAAAAAABAAAAAAAAAAEAAABQAAAAAAAAAAAA4D8AAAAAAADgPwAAAAAAAOA/AAAAAAAA4D8AAAAAAADgPwAAAAAAAOA/AAAAAAAA4D8AAAAAAADgPwAAAAAAAOA/AAAAAAAA4D8CAAAAjAAAAAAAAAAAAAAAu+DjDP///wgAAAAAAAAAAAAAAAAAAAAAAAAAAAAAAAAAAAAAZAAAAAEAAABAAAAAAAAAAAAAAAAAAAAAAAAAAAAAAAAAAAAAAAAAAAAAAAAAAAAAAAAAAAAAAAAAAAAAAAAAAAAAAAAAAAAAAAAAAAAAAAAAAAAAAAAAAAAAAAAAAAAAFAAAADwAAAAAAAAAAAAAAAAAAAkUAAAAAQAAABQAAAAUAAAAFAAAAAEAAAAAAAAAZAAAAGQAAAAAAAAAZAAAAGQAAAAVAAAAYAAAAAAAAAAAAAAADwAAACADAAAAAAAAAAAAAAEAAACgMgAAVgcAAKr4//8BAAAAf39/AAEAAABkAAAAAAAAABQAAABAHwAAAAAAACYAAAAAAAAAwOD//wAAAAAmAAAAZAAAABYAAABMAAAAAAAAAAAAAAAEAAAAAAAAAAEAAACAgIAKAAAAACgAAAAoAAAAZAAAAGQAAAAAAAAAzMzMAAAAAABQAAAAUAAAAGQAAABkAAAAAAAAABcAAAAUAAAAAAAAAAAAAAD/fwAA/38AAAAAAAAJAAAABAAAAAAAAAAMAAAAEAAAAAAAAAAAAAAAAAAAAAAAAAAeAAAAaAAAAAAAAAAAAAAAAAAAAAAAAAAAAAAAECcAABAnAAAAAAAAAAAAAAAAAAAAAAAAAAAAAAAAAAAAAAAAAAAAABQAAAAAAAAAwMD/AAAAAABkAAAAMgAAAAAAAABkAAAAAAAAAH9/fwAKAAAAHwAAAFQAAAAAAAAFAAAAAQAAAAAAAAAAAAAAAAAAAAAAAAAAAAAAAAAAAAAAAAAAAAAAAn9/fwAAAAADzMzMAMDA/wB/f38AAAAAAAAAAAAAAAAAAAAAAAAAAAAhAAAAGAAAABQAAADQAgAAGycAAPAPAABZKQAAEAAAACYAAAAIAAAAAAAAAAAAAAA="/>
+                <pr:smNativeData xmlns:pr="smNativeData" val="SMDATA_13_B6msYxMAAAAlAAAAZAAAAA8BAAAAkAAAAEgAAACQAAAASAAAAAAAAAABAAAAAAAAAAEAAABQAAAAAAAAAAAA4D8AAAAAAADgPwAAAAAAAOA/AAAAAAAA4D8AAAAAAADgPwAAAAAAAOA/AAAAAAAA4D8AAAAAAADgPwAAAAAAAOA/AAAAAAAA4D8CAAAAjAAAAAAAAAAAAAAAu+DjDP///wgAAAAAAAAAAAAAAAAAAAAAAAAAAAAAAAAAAAAAZAAAAAEAAABAAAAAAAAAAAAAAAAAAAAAAAAAAAAAAAAAAAAAAAAAAAAAAAAAAAAAAAAAAAAAAAAAAAAAAAAAAAAAAAAAAAAAAAAAAAAAAAAAAAAAAAAAAAAAAAAAAAAAFAAAADwAAAAAAAAAAAAAAAAAAAkUAAAAAQAAABQAAAAUAAAAFAAAAAEAAAAAAAAAZAAAAGQAAAAAAAAAZAAAAGQAAAAVAAAAYAAAAAAAAAAAAAAADwAAACADAAAAAAAAAAAAAAEAAACgMgAAVgcAAKr4//8BAAAAf39/AAEAAABkAAAAAAAAABQAAABAHwAAAAAAACYAAAAAAAAAwOD//wAAAAAmAAAAZAAAABYAAABMAAAAAAAAAAAAAAAEAAAAAAAAAAEAAACAgIAKAAAAACgAAAAoAAAAZAAAAGQAAAAAAAAAzMzMAAAAAABQAAAAUAAAAGQAAABkAAAAAAAAABcAAAAUAAAAAAAAAAAAAAD/fwAA/38AAAAAAAAJAAAABAAAAAAAAAAMAAAAEAAAAAAAAAAAAAAAAAAAAAAAAAAeAAAAaAAAAAAAAAAAAAAAAAAAAAAAAAAAAAAAECcAABAnAAAAAAAAAAAAAAAAAAAAAAAAAAAAAAAAAAAAAAAAAAAAABQAAAAAAAAAwMD/AAAAAABkAAAAMgAAAAAAAABkAAAAAAAAAH9/fwAKAAAAHwAAAFQAAAAAAAAFAAAAAQAAAAAAAAAAAAAAAAAAAAAAAAAAAAAAAAAAAAAAAAAAAAAAAn9/fwAAAAADzMzMAMDA/wB/f38AAAAAAAAAAAAAAAAAAAAAAAAAAAAhAAAAGAAAABQAAADQAgAAGycAAPAPAABZKQAAEAAAACYAAAAIAAAAAAAAAAAAAAA="/>
               </a:ext>
             </a:extLst>
           </p:cNvSpPr>
@@ -529,7 +530,7 @@
           <a:lstStyle/>
           <a:p>
             <a:pPr/>
-            <a:fld id="{21E7C78D-C3CC-B231-825F-356489117460}" type="datetime1">
+            <a:fld id="{1CA1EC69-27F1-F41A-BF19-D14FA2574984}" type="datetime1">
               <a:t/>
             </a:fld>
           </a:p>
@@ -542,7 +543,7 @@
             <a:spLocks noGrp="1" noChangeArrowheads="1"/>
             <a:extLst>
               <a:ext uri="smNativeData">
-                <pr:smNativeData xmlns:pr="smNativeData" val="SMDATA_13_cFGrYxMAAAAlAAAAZAAAAA8BAAAAkAAAAEgAAACQAAAASAAAAAAAAAABAAAAAAAAAAEAAABQAAAAAAAAAAAA4D8AAAAAAADgPwAAAAAAAOA/AAAAAAAA4D8AAAAAAADgPwAAAAAAAOA/AAAAAAAA4D8AAAAAAADgPwAAAAAAAOA/AAAAAAAA4D8CAAAAjAAAAAAAAAAAAAAAu+DjDP///wgAAAAAAAAAAAAAAAAAAAAAAAAAAAAAAAAAAAAAZAAAAAEAAABAAAAAAAAAAAAAAAAAAAAAAAAAAAAAAAAAAAAAAAAAAAAAAAAAAAAAAAAAAAAAAAAAAAAAAAAAAAAAAAAAAAAAAAAAAAAAAAAAAAAAAAAAAAAAAAAAAAAAFAAAADwAAAAAAAAAAAAAAAAAAAkUAAAAAQAAABQAAAAUAAAAFAAAAAEAAAAAAAAAZAAAAGQAAAAAAAAAZAAAAGQAAAAVAAAAYAAAAAAAAAAAAAAADwAAACADAAAAAAAAAAAAAAEAAACgMgAAVgcAAKr4//8BAAAAf39/AAEAAABkAAAAAAAAABQAAABAHwAAAAAAACYAAAAAAAAAwOD//wAAAAAmAAAAZAAAABYAAABMAAAAAAAAAAAAAAAEAAAAAAAAAAEAAACAgIAKAAAAACgAAAAoAAAAZAAAAGQAAAAAAAAAzMzMAAAAAABQAAAAUAAAAGQAAABkAAAAAAAAABcAAAAUAAAAAAAAAAAAAAD/fwAA/38AAAAAAAAJAAAABAAAAAAAAAAMAAAAEAAAAAAAAAAAAAAAAAAAAAAAAAAeAAAAaAAAAAAAAAAAAAAAAAAAAAAAAAAAAAAAECcAABAnAAAAAAAAAAAAAAAAAAAAAAAAAAAAAAAAAAAAAAAAAAAAABQAAAAAAAAAwMD/AAAAAABkAAAAMgAAAAAAAABkAAAAAAAAAH9/fwAKAAAAHwAAAFQAAAAAAAAFAAAAAQAAAAAAAAAAAAAAAAAAAAAAAAAAAAAAAAAAAAAAAAAAAAAAAn9/fwAAAAADzMzMAMDA/wB/f38AAAAAAAAAAAAAAAAAAAAAAAAAAAAhAAAAGAAAABQAAAA4EwAAGycAAAglAABZKQAAEAAAACYAAAAIAAAAAAAAAAAAAAA="/>
+                <pr:smNativeData xmlns:pr="smNativeData" val="SMDATA_13_B6msYxMAAAAlAAAAZAAAAA8BAAAAkAAAAEgAAACQAAAASAAAAAAAAAABAAAAAAAAAAEAAABQAAAAAAAAAAAA4D8AAAAAAADgPwAAAAAAAOA/AAAAAAAA4D8AAAAAAADgPwAAAAAAAOA/AAAAAAAA4D8AAAAAAADgPwAAAAAAAOA/AAAAAAAA4D8CAAAAjAAAAAAAAAAAAAAAu+DjDP///wgAAAAAAAAAAAAAAAAAAAAAAAAAAAAAAAAAAAAAZAAAAAEAAABAAAAAAAAAAAAAAAAAAAAAAAAAAAAAAAAAAAAAAAAAAAAAAAAAAAAAAAAAAAAAAAAAAAAAAAAAAAAAAAAAAAAAAAAAAAAAAAAAAAAAAAAAAAAAAAAAAAAAFAAAADwAAAAAAAAAAAAAAAAAAAkUAAAAAQAAABQAAAAUAAAAFAAAAAEAAAAAAAAAZAAAAGQAAAAAAAAAZAAAAGQAAAAVAAAAYAAAAAAAAAAAAAAADwAAACADAAAAAAAAAAAAAAEAAACgMgAAVgcAAKr4//8BAAAAf39/AAEAAABkAAAAAAAAABQAAABAHwAAAAAAACYAAAAAAAAAwOD//wAAAAAmAAAAZAAAABYAAABMAAAAAAAAAAAAAAAEAAAAAAAAAAEAAACAgIAKAAAAACgAAAAoAAAAZAAAAGQAAAAAAAAAzMzMAAAAAABQAAAAUAAAAGQAAABkAAAAAAAAABcAAAAUAAAAAAAAAAAAAAD/fwAA/38AAAAAAAAJAAAABAAAAAAAAAAMAAAAEAAAAAAAAAAAAAAAAAAAAAAAAAAeAAAAaAAAAAAAAAAAAAAAAAAAAAAAAAAAAAAAECcAABAnAAAAAAAAAAAAAAAAAAAAAAAAAAAAAAAAAAAAAAAAAAAAABQAAAAAAAAAwMD/AAAAAABkAAAAMgAAAAAAAABkAAAAAAAAAH9/fwAKAAAAHwAAAFQAAAAAAAAFAAAAAQAAAAAAAAAAAAAAAAAAAAAAAAAAAAAAAAAAAAAAAAAAAAAAAn9/fwAAAAADzMzMAMDA/wB/f38AAAAAAAAAAAAAAAAAAAAAAAAAAAAhAAAAGAAAABQAAAA4EwAAGycAAAglAABZKQAAEAAAACYAAAAIAAAAAAAAAAAAAAA="/>
               </a:ext>
             </a:extLst>
           </p:cNvSpPr>
@@ -566,7 +567,7 @@
             <a:spLocks noGrp="1" noChangeArrowheads="1"/>
             <a:extLst>
               <a:ext uri="smNativeData">
-                <pr:smNativeData xmlns:pr="smNativeData" val="SMDATA_13_cFGrYxMAAAAlAAAAZAAAAA8BAAAAkAAAAEgAAACQAAAASAAAAAAAAAABAAAAAAAAAAEAAABQAAAAAAAAAAAA4D8AAAAAAADgPwAAAAAAAOA/AAAAAAAA4D8AAAAAAADgPwAAAAAAAOA/AAAAAAAA4D8AAAAAAADgPwAAAAAAAOA/AAAAAAAA4D8CAAAAjAAAAAAAAAAAAAAAu+DjDP///wgAAAAAAAAAAAAAAAAAAAAAAAAAAAAAAAAAAAAAZAAAAAEAAABAAAAAAAAAAAAAAAAAAAAAAAAAAAAAAAAAAAAAAAAAAAAAAAAAAAAAAAAAAAAAAAAAAAAAAAAAAAAAAAAAAAAAAAAAAAAAAAAAAAAAAAAAAAAAAAAAAAAAFAAAADwAAAAAAAAAAAAAAAAAAAkUAAAAAQAAABQAAAAUAAAAFAAAAAEAAAAAAAAAZAAAAGQAAAAAAAAAZAAAAGQAAAAVAAAAYAAAAAAAAAAAAAAADwAAACADAAAAAAAAAAAAAAEAAACgMgAAVgcAAKr4//8BAAAAf39/AAEAAABkAAAAAAAAABQAAABAHwAAAAAAACYAAAAAAAAAwOD//wAAAAAmAAAAZAAAABYAAABMAAAAAAAAAAAAAAAEAAAAAAAAAAEAAACAgIAKAAAAACgAAAAoAAAAZAAAAGQAAAAAAAAAzMzMAAAAAABQAAAAUAAAAGQAAABkAAAAAAAAABcAAAAUAAAAAAAAAAAAAAD/fwAA/38AAAAAAAAJAAAABAAAAAAAAAAMAAAAEAAAAAAAAAAAAAAAAAAAAAAAAAAeAAAAaAAAAAAAAAAAAAAAAAAAAAAAAAAAAAAAECcAABAnAAAAAAAAAAAAAAAAAAAAAAAAAAAAAAAAAAAAAAAAAAAAABQAAAAAAAAAwMD/AAAAAABkAAAAMgAAAAAAAABkAAAAAAAAAH9/fwAKAAAAHwAAAFQAAAAAAAAFAAAAAQAAAAAAAAAAAAAAAAAAAAAAAAAAAAAAAAAAAAAAAAAAAAAAAn9/fwAAAAADzMzMAMDA/wB/f38AAAAAAAAAAAAAAAAAAAAAAAAAAAAhAAAAGAAAABQAAABQKAAAGycAAHA1AABZKQAAEAAAACYAAAAIAAAAAAAAAAAAAAA="/>
+                <pr:smNativeData xmlns:pr="smNativeData" val="SMDATA_13_B6msYxMAAAAlAAAAZAAAAA8BAAAAkAAAAEgAAACQAAAASAAAAAAAAAABAAAAAAAAAAEAAABQAAAAAAAAAAAA4D8AAAAAAADgPwAAAAAAAOA/AAAAAAAA4D8AAAAAAADgPwAAAAAAAOA/AAAAAAAA4D8AAAAAAADgPwAAAAAAAOA/AAAAAAAA4D8CAAAAjAAAAAAAAAAAAAAAu+DjDP///wgAAAAAAAAAAAAAAAAAAAAAAAAAAAAAAAAAAAAAZAAAAAEAAABAAAAAAAAAAAAAAAAAAAAAAAAAAAAAAAAAAAAAAAAAAAAAAAAAAAAAAAAAAAAAAAAAAAAAAAAAAAAAAAAAAAAAAAAAAAAAAAAAAAAAAAAAAAAAAAAAAAAAFAAAADwAAAAAAAAAAAAAAAAAAAkUAAAAAQAAABQAAAAUAAAAFAAAAAEAAAAAAAAAZAAAAGQAAAAAAAAAZAAAAGQAAAAVAAAAYAAAAAAAAAAAAAAADwAAACADAAAAAAAAAAAAAAEAAACgMgAAVgcAAKr4//8BAAAAf39/AAEAAABkAAAAAAAAABQAAABAHwAAAAAAACYAAAAAAAAAwOD//wAAAAAmAAAAZAAAABYAAABMAAAAAAAAAAAAAAAEAAAAAAAAAAEAAACAgIAKAAAAACgAAAAoAAAAZAAAAGQAAAAAAAAAzMzMAAAAAABQAAAAUAAAAGQAAABkAAAAAAAAABcAAAAUAAAAAAAAAAAAAAD/fwAA/38AAAAAAAAJAAAABAAAAAAAAAAMAAAAEAAAAAAAAAAAAAAAAAAAAAAAAAAeAAAAaAAAAAAAAAAAAAAAAAAAAAAAAAAAAAAAECcAABAnAAAAAAAAAAAAAAAAAAAAAAAAAAAAAAAAAAAAAAAAAAAAABQAAAAAAAAAwMD/AAAAAABkAAAAMgAAAAAAAABkAAAAAAAAAH9/fwAKAAAAHwAAAFQAAAAAAAAFAAAAAQAAAAAAAAAAAAAAAAAAAAAAAAAAAAAAAAAAAAAAAAAAAAAAAn9/fwAAAAADzMzMAMDA/wB/f38AAAAAAAAAAAAAAAAAAAAAAAAAAAAhAAAAGAAAABQAAABQKAAAGycAAHA1AABZKQAAEAAAACYAAAAIAAAAAAAAAAAAAAA="/>
               </a:ext>
             </a:extLst>
           </p:cNvSpPr>
@@ -580,7 +581,7 @@
           <a:lstStyle/>
           <a:p>
             <a:pPr/>
-            <a:fld id="{21E7EF6B-25CC-B219-825F-D34CA1117486}" type="slidenum">
+            <a:fld id="{1CA1FC2D-63F1-F40A-BF19-955FB25749C0}" type="slidenum">
               <a:t/>
             </a:fld>
           </a:p>
@@ -618,7 +619,7 @@
             <a:spLocks noGrp="1" noChangeArrowheads="1"/>
             <a:extLst>
               <a:ext uri="smNativeData">
-                <pr:smNativeData xmlns:pr="smNativeData" val="SMDATA_13_cFGrYxMAAAAlAAAAZAAAAA8BAAAAkAAAAEgAAACQAAAASAAAAAAAAAACAAAAAQAAAAEAAABQAAAAAAAAAAAA4D8AAAAAAADgPwAAAAAAAOA/AAAAAAAA4D8AAAAAAADgPwAAAAAAAOA/AAAAAAAA4D8AAAAAAADgPwAAAAAAAOA/AAAAAAAA4D8CAAAAjAAAAAAAAAAAAAAAu+DjDP///wgAAAAAAAAAAAAAAAAAAAAAAAAAAAAAAAAAAAAAZAAAAAEAAABAAAAAAAAAAAAAAAAAAAAAAAAAAAAAAAAAAAAAAAAAAAAAAAAAAAAAAAAAAAAAAAAAAAAAAAAAAAAAAAAAAAAAAAAAAAAAAAAAAAAAAAAAAAAAAAAAAAAAFAAAADwAAAAAAAAAAAAAAAAAAAkUAAAAAQAAABQAAAAUAAAAFAAAAAEAAAAAAAAAZAAAAGQAAAAAAAAAZAAAAGQAAAAVAAAAYAAAAAAAAAAAAAAADwAAACADAAAAAAAAAAAAAAEAAACgMgAAVgcAAKr4//8BAAAAf39/AAEAAABkAAAAAAAAABQAAABAHwAAAAAAACYAAAAAAAAAwOD//wAAAAAmAAAAZAAAABYAAABMAAAAAAAAAAAAAAAEAAAAAAAAAAEAAACAgIAKAAAAACgAAAAoAAAAZAAAAGQAAAAAAAAAzMzMAAAAAABQAAAAUAAAAGQAAABkAAAAAAAAABcAAAAUAAAAAAAAAAAAAAD/fwAA/38AAAAAAAAJAAAABAAAAAAAAAAMAAAAEAAAAAAAAAAAAAAAAAAAAAAAAAAeAAAAaAAAAAAAAAAAAAAAAAAAAAAAAAAAAAAAECcAABAnAAAAAAAAAAAAAAAAAAAAAAAAAAAAAAAAAAAAAAAAAAAAABQAAAAAAAAAwMD/AAAAAABkAAAAMgAAAAAAAABkAAAAAAAAAH9/fwAKAAAAHwAAAFQAAAAAAAAFAAAAAQAAAAAAAAAAAAAAAAAAAAAAAAAAAAAAAAAAAAAAAAAAAAAAAn9/fwAAAAADzMzMAMDA/wB/f38AAAAAAAAAAAAAAAAAAAAAAAAAAAAhAAAAGAAAABQAAADIKAAAsAEAAHA1AACwJQAAEAAAACYAAAAIAAAAgwAAAAAAAAA="/>
+                <pr:smNativeData xmlns:pr="smNativeData" val="SMDATA_13_B6msYxMAAAAlAAAAZAAAAA8BAAAAkAAAAEgAAACQAAAASAAAAAAAAAACAAAAAQAAAAEAAABQAAAAAAAAAAAA4D8AAAAAAADgPwAAAAAAAOA/AAAAAAAA4D8AAAAAAADgPwAAAAAAAOA/AAAAAAAA4D8AAAAAAADgPwAAAAAAAOA/AAAAAAAA4D8CAAAAjAAAAAAAAAAAAAAAu+DjDP///wgAAAAAAAAAAAAAAAAAAAAAAAAAAAAAAAAAAAAAZAAAAAEAAABAAAAAAAAAAAAAAAAAAAAAAAAAAAAAAAAAAAAAAAAAAAAAAAAAAAAAAAAAAAAAAAAAAAAAAAAAAAAAAAAAAAAAAAAAAAAAAAAAAAAAAAAAAAAAAAAAAAAAFAAAADwAAAAAAAAAAAAAAAAAAAkUAAAAAQAAABQAAAAUAAAAFAAAAAEAAAAAAAAAZAAAAGQAAAAAAAAAZAAAAGQAAAAVAAAAYAAAAAAAAAAAAAAADwAAACADAAAAAAAAAAAAAAEAAACgMgAAVgcAAKr4//8BAAAAf39/AAEAAABkAAAAAAAAABQAAABAHwAAAAAAACYAAAAAAAAAwOD//wAAAAAmAAAAZAAAABYAAABMAAAAAAAAAAAAAAAEAAAAAAAAAAEAAACAgIAKAAAAACgAAAAoAAAAZAAAAGQAAAAAAAAAzMzMAAAAAABQAAAAUAAAAGQAAABkAAAAAAAAABcAAAAUAAAAAAAAAAAAAAD/fwAA/38AAAAAAAAJAAAABAAAAAAAAAAMAAAAEAAAAAAAAAAAAAAAAAAAAAAAAAAeAAAAaAAAAAAAAAAAAAAAAAAAAAAAAAAAAAAAECcAABAnAAAAAAAAAAAAAAAAAAAAAAAAAAAAAAAAAAAAAAAAAAAAABQAAAAAAAAAwMD/AAAAAABkAAAAMgAAAAAAAABkAAAAAAAAAH9/fwAKAAAAHwAAAFQAAAAAAAAFAAAAAQAAAAAAAAAAAAAAAAAAAAAAAAAAAAAAAAAAAAAAAAAAAAAAAn9/fwAAAAADzMzMAMDA/wB/f38AAAAAAAAAAAAAAAAAAAAAAAAAAAAhAAAAGAAAABQAAADIKAAAsAEAAHA1AACwJQAAEAAAACYAAAAIAAAAgwAAAAAAAAA="/>
               </a:ext>
             </a:extLst>
           </p:cNvSpPr>
@@ -654,7 +655,7 @@
             <a:spLocks noGrp="1" noChangeArrowheads="1"/>
             <a:extLst>
               <a:ext uri="smNativeData">
-                <pr:smNativeData xmlns:pr="smNativeData" val="SMDATA_13_cFGrYxMAAAAlAAAAZAAAAA8BAAAAkAAAAEgAAACQAAAASAAAAAAAAAAAAAAAAQAAAAEAAABQAAAAAAAAAAAA4D8AAAAAAADgPwAAAAAAAOA/AAAAAAAA4D8AAAAAAADgPwAAAAAAAOA/AAAAAAAA4D8AAAAAAADgPwAAAAAAAOA/AAAAAAAA4D8CAAAAjAAAAAAAAAAAAAAAu+DjDP///wgAAAAAAAAAAAAAAAAAAAAAAAAAAAAAAAAAAAAAZAAAAAEAAABAAAAAAAAAAAAAAAAAAAAAAAAAAAAAAAAAAAAAAAAAAAAAAAAAAAAAAAAAAAAAAAAAAAAAAAAAAAAAAAAAAAAAAAAAAAAAAAAAAAAAAAAAAAAAAAAAAAAAFAAAADwAAAAAAAAAAAAAAAAAAAkUAAAAAQAAABQAAAAUAAAAFAAAAAEAAAAAAAAAZAAAAGQAAAAAAAAAZAAAAGQAAAAVAAAAYAAAAAAAAAAAAAAADwAAACADAAAAAAAAAAAAAAEAAACgMgAAVgcAAKr4//8BAAAAf39/AAEAAABkAAAAAAAAABQAAABAHwAAAAAAACYAAAAAAAAAwOD//wAAAAAmAAAAZAAAABYAAABMAAAAAAAAAAAAAAAEAAAAAAAAAAEAAACAgIAKAAAAACgAAAAoAAAAZAAAAGQAAAAAAAAAzMzMAAAAAABQAAAAUAAAAGQAAABkAAAAAAAAABcAAAAUAAAAAAAAAAAAAAD/fwAA/38AAAAAAAAJAAAABAAAAAAAAAAMAAAAEAAAAAAAAAAAAAAAAAAAAAAAAAAeAAAAaAAAAAAAAAAAAAAAAAAAAAAAAAAAAAAAECcAABAnAAAAAAAAAAAAAAAAAAAAAAAAAAAAAAAAAAAAAAAAAAAAABQAAAAAAAAAwMD/AAAAAABkAAAAMgAAAAAAAABkAAAAAAAAAH9/fwAKAAAAHwAAAFQAAAAAAAAFAAAAAQAAAAAAAAAAAAAAAAAAAAAAAAAAAAAAAAAAAAAAAAAAAAAAAn9/fwAAAAADzMzMAMDA/wB/f38AAAAAAAAAAAAAAAAAAAAAAAAAAAAhAAAAGAAAABQAAADQAgAAsAEAANgnAACwJQAAEAAAACYAAAAIAAAAAwAAAAAAAAA="/>
+                <pr:smNativeData xmlns:pr="smNativeData" val="SMDATA_13_B6msYxMAAAAlAAAAZAAAAA8BAAAAkAAAAEgAAACQAAAASAAAAAAAAAAAAAAAAQAAAAEAAABQAAAAAAAAAAAA4D8AAAAAAADgPwAAAAAAAOA/AAAAAAAA4D8AAAAAAADgPwAAAAAAAOA/AAAAAAAA4D8AAAAAAADgPwAAAAAAAOA/AAAAAAAA4D8CAAAAjAAAAAAAAAAAAAAAu+DjDP///wgAAAAAAAAAAAAAAAAAAAAAAAAAAAAAAAAAAAAAZAAAAAEAAABAAAAAAAAAAAAAAAAAAAAAAAAAAAAAAAAAAAAAAAAAAAAAAAAAAAAAAAAAAAAAAAAAAAAAAAAAAAAAAAAAAAAAAAAAAAAAAAAAAAAAAAAAAAAAAAAAAAAAFAAAADwAAAAAAAAAAAAAAAAAAAkUAAAAAQAAABQAAAAUAAAAFAAAAAEAAAAAAAAAZAAAAGQAAAAAAAAAZAAAAGQAAAAVAAAAYAAAAAAAAAAAAAAADwAAACADAAAAAAAAAAAAAAEAAACgMgAAVgcAAKr4//8BAAAAf39/AAEAAABkAAAAAAAAABQAAABAHwAAAAAAACYAAAAAAAAAwOD//wAAAAAmAAAAZAAAABYAAABMAAAAAAAAAAAAAAAEAAAAAAAAAAEAAACAgIAKAAAAACgAAAAoAAAAZAAAAGQAAAAAAAAAzMzMAAAAAABQAAAAUAAAAGQAAABkAAAAAAAAABcAAAAUAAAAAAAAAAAAAAD/fwAA/38AAAAAAAAJAAAABAAAAAAAAAAMAAAAEAAAAAAAAAAAAAAAAAAAAAAAAAAeAAAAaAAAAAAAAAAAAAAAAAAAAAAAAAAAAAAAECcAABAnAAAAAAAAAAAAAAAAAAAAAAAAAAAAAAAAAAAAAAAAAAAAABQAAAAAAAAAwMD/AAAAAABkAAAAMgAAAAAAAABkAAAAAAAAAH9/fwAKAAAAHwAAAFQAAAAAAAAFAAAAAQAAAAAAAAAAAAAAAAAAAAAAAAAAAAAAAAAAAAAAAAAAAAAAAn9/fwAAAAADzMzMAMDA/wB/f38AAAAAAAAAAAAAAAAAAAAAAAAAAAAhAAAAGAAAABQAAADQAgAAsAEAANgnAACwJQAAEAAAACYAAAAIAAAAAwAAAAAAAAA="/>
               </a:ext>
             </a:extLst>
           </p:cNvSpPr>
@@ -714,7 +715,7 @@
             <a:spLocks noGrp="1" noChangeArrowheads="1"/>
             <a:extLst>
               <a:ext uri="smNativeData">
-                <pr:smNativeData xmlns:pr="smNativeData" val="SMDATA_13_cFGrYxMAAAAlAAAAZAAAAA8BAAAAkAAAAEgAAACQAAAASAAAAAAAAAABAAAAAAAAAAEAAABQAAAAAAAAAAAA4D8AAAAAAADgPwAAAAAAAOA/AAAAAAAA4D8AAAAAAADgPwAAAAAAAOA/AAAAAAAA4D8AAAAAAADgPwAAAAAAAOA/AAAAAAAA4D8CAAAAjAAAAAAAAAAAAAAAu+DjDP///wgAAAAAAAAAAAAAAAAAAAAAAAAAAAAAAAAAAAAAZAAAAAEAAABAAAAAAAAAAAAAAAAAAAAAAAAAAAAAAAAAAAAAAAAAAAAAAAAAAAAAAAAAAAAAAAAAAAAAAAAAAAAAAAAAAAAAAAAAAAAAAAAAAAAAAAAAAAAAAAAAAAAAFAAAADwAAAAAAAAAAAAAAAAAAAkUAAAAAQAAABQAAAAUAAAAFAAAAAEAAAAAAAAAZAAAAGQAAAAAAAAAZAAAAGQAAAAVAAAAYAAAAAAAAAAAAAAADwAAACADAAAAAAAAAAAAAAEAAACgMgAAVgcAAKr4//8BAAAAf39/AAEAAABkAAAAAAAAABQAAABAHwAAAAAAACYAAAAAAAAAwOD//wAAAAAmAAAAZAAAABYAAABMAAAAAAAAAAAAAAAEAAAAAAAAAAEAAACAgIAKAAAAACgAAAAoAAAAZAAAAGQAAAAAAAAAzMzMAAAAAABQAAAAUAAAAGQAAABkAAAAAAAAABcAAAAUAAAAAAAAAAAAAAD/fwAA/38AAAAAAAAJAAAABAAAAAAAAAAMAAAAEAAAAAAAAAAAAAAAAAAAAAAAAAAeAAAAaAAAAAAAAAAAAAAAAAAAAAAAAAAAAAAAECcAABAnAAAAAAAAAAAAAAAAAAAAAAAAAAAAAAAAAAAAAAAAAAAAABQAAAAAAAAAwMD/AAAAAABkAAAAMgAAAAAAAABkAAAAAAAAAH9/fwAKAAAAHwAAAFQAAAAAAAAFAAAAAQAAAAAAAAAAAAAAAAAAAAAAAAAAAAAAAAAAAAAAAAAAAAAAAn9/fwAAAAADzMzMAMDA/wB/f38AAAAAAAAAAAAAAAAAAAAAAAAAAAAhAAAAGAAAABQAAADQAgAAGycAAPAPAABZKQAAEAAAACYAAAAIAAAAAAAAAAAAAAA="/>
+                <pr:smNativeData xmlns:pr="smNativeData" val="SMDATA_13_B6msYxMAAAAlAAAAZAAAAA8BAAAAkAAAAEgAAACQAAAASAAAAAAAAAABAAAAAAAAAAEAAABQAAAAAAAAAAAA4D8AAAAAAADgPwAAAAAAAOA/AAAAAAAA4D8AAAAAAADgPwAAAAAAAOA/AAAAAAAA4D8AAAAAAADgPwAAAAAAAOA/AAAAAAAA4D8CAAAAjAAAAAAAAAAAAAAAu+DjDP///wgAAAAAAAAAAAAAAAAAAAAAAAAAAAAAAAAAAAAAZAAAAAEAAABAAAAAAAAAAAAAAAAAAAAAAAAAAAAAAAAAAAAAAAAAAAAAAAAAAAAAAAAAAAAAAAAAAAAAAAAAAAAAAAAAAAAAAAAAAAAAAAAAAAAAAAAAAAAAAAAAAAAAFAAAADwAAAAAAAAAAAAAAAAAAAkUAAAAAQAAABQAAAAUAAAAFAAAAAEAAAAAAAAAZAAAAGQAAAAAAAAAZAAAAGQAAAAVAAAAYAAAAAAAAAAAAAAADwAAACADAAAAAAAAAAAAAAEAAACgMgAAVgcAAKr4//8BAAAAf39/AAEAAABkAAAAAAAAABQAAABAHwAAAAAAACYAAAAAAAAAwOD//wAAAAAmAAAAZAAAABYAAABMAAAAAAAAAAAAAAAEAAAAAAAAAAEAAACAgIAKAAAAACgAAAAoAAAAZAAAAGQAAAAAAAAAzMzMAAAAAABQAAAAUAAAAGQAAABkAAAAAAAAABcAAAAUAAAAAAAAAAAAAAD/fwAA/38AAAAAAAAJAAAABAAAAAAAAAAMAAAAEAAAAAAAAAAAAAAAAAAAAAAAAAAeAAAAaAAAAAAAAAAAAAAAAAAAAAAAAAAAAAAAECcAABAnAAAAAAAAAAAAAAAAAAAAAAAAAAAAAAAAAAAAAAAAAAAAABQAAAAAAAAAwMD/AAAAAABkAAAAMgAAAAAAAABkAAAAAAAAAH9/fwAKAAAAHwAAAFQAAAAAAAAFAAAAAQAAAAAAAAAAAAAAAAAAAAAAAAAAAAAAAAAAAAAAAAAAAAAAAn9/fwAAAAADzMzMAMDA/wB/f38AAAAAAAAAAAAAAAAAAAAAAAAAAAAhAAAAGAAAABQAAADQAgAAGycAAPAPAABZKQAAEAAAACYAAAAIAAAAAAAAAAAAAAA="/>
               </a:ext>
             </a:extLst>
           </p:cNvSpPr>
@@ -728,7 +729,7 @@
           <a:lstStyle/>
           <a:p>
             <a:pPr/>
-            <a:fld id="{21E7ED02-4CCC-B21B-825F-BA4EA31174EF}" type="datetime1">
+            <a:fld id="{1CA1E766-28F1-F411-BF19-DE44A957498B}" type="datetime1">
               <a:t/>
             </a:fld>
           </a:p>
@@ -741,7 +742,7 @@
             <a:spLocks noGrp="1" noChangeArrowheads="1"/>
             <a:extLst>
               <a:ext uri="smNativeData">
-                <pr:smNativeData xmlns:pr="smNativeData" val="SMDATA_13_cFGrYxMAAAAlAAAAZAAAAA8BAAAAkAAAAEgAAACQAAAASAAAAAAAAAABAAAAAAAAAAEAAABQAAAAAAAAAAAA4D8AAAAAAADgPwAAAAAAAOA/AAAAAAAA4D8AAAAAAADgPwAAAAAAAOA/AAAAAAAA4D8AAAAAAADgPwAAAAAAAOA/AAAAAAAA4D8CAAAAjAAAAAAAAAAAAAAAu+DjDP///wgAAAAAAAAAAAAAAAAAAAAAAAAAAAAAAAAAAAAAZAAAAAEAAABAAAAAAAAAAAAAAAAAAAAAAAAAAAAAAAAAAAAAAAAAAAAAAAAAAAAAAAAAAAAAAAAAAAAAAAAAAAAAAAAAAAAAAAAAAAAAAAAAAAAAAAAAAAAAAAAAAAAAFAAAADwAAAAAAAAAAAAAAAAAAAkUAAAAAQAAABQAAAAUAAAAFAAAAAEAAAAAAAAAZAAAAGQAAAAAAAAAZAAAAGQAAAAVAAAAYAAAAAAAAAAAAAAADwAAACADAAAAAAAAAAAAAAEAAACgMgAAVgcAAKr4//8BAAAAf39/AAEAAABkAAAAAAAAABQAAABAHwAAAAAAACYAAAAAAAAAwOD//wAAAAAmAAAAZAAAABYAAABMAAAAAAAAAAAAAAAEAAAAAAAAAAEAAACAgIAKAAAAACgAAAAoAAAAZAAAAGQAAAAAAAAAzMzMAAAAAABQAAAAUAAAAGQAAABkAAAAAAAAABcAAAAUAAAAAAAAAAAAAAD/fwAA/38AAAAAAAAJAAAABAAAAAAAAAAMAAAAEAAAAAAAAAAAAAAAAAAAAAAAAAAeAAAAaAAAAAAAAAAAAAAAAAAAAAAAAAAAAAAAECcAABAnAAAAAAAAAAAAAAAAAAAAAAAAAAAAAAAAAAAAAAAAAAAAABQAAAAAAAAAwMD/AAAAAABkAAAAMgAAAAAAAABkAAAAAAAAAH9/fwAKAAAAHwAAAFQAAAAAAAAFAAAAAQAAAAAAAAAAAAAAAAAAAAAAAAAAAAAAAAAAAAAAAAAAAAAAAn9/fwAAAAADzMzMAMDA/wB/f38AAAAAAAAAAAAAAAAAAAAAAAAAAAAhAAAAGAAAABQAAAA4EwAAGycAAAglAABZKQAAEAAAACYAAAAIAAAAAAAAAAAAAAA="/>
+                <pr:smNativeData xmlns:pr="smNativeData" val="SMDATA_13_B6msYxMAAAAlAAAAZAAAAA8BAAAAkAAAAEgAAACQAAAASAAAAAAAAAABAAAAAAAAAAEAAABQAAAAAAAAAAAA4D8AAAAAAADgPwAAAAAAAOA/AAAAAAAA4D8AAAAAAADgPwAAAAAAAOA/AAAAAAAA4D8AAAAAAADgPwAAAAAAAOA/AAAAAAAA4D8CAAAAjAAAAAAAAAAAAAAAu+DjDP///wgAAAAAAAAAAAAAAAAAAAAAAAAAAAAAAAAAAAAAZAAAAAEAAABAAAAAAAAAAAAAAAAAAAAAAAAAAAAAAAAAAAAAAAAAAAAAAAAAAAAAAAAAAAAAAAAAAAAAAAAAAAAAAAAAAAAAAAAAAAAAAAAAAAAAAAAAAAAAAAAAAAAAFAAAADwAAAAAAAAAAAAAAAAAAAkUAAAAAQAAABQAAAAUAAAAFAAAAAEAAAAAAAAAZAAAAGQAAAAAAAAAZAAAAGQAAAAVAAAAYAAAAAAAAAAAAAAADwAAACADAAAAAAAAAAAAAAEAAACgMgAAVgcAAKr4//8BAAAAf39/AAEAAABkAAAAAAAAABQAAABAHwAAAAAAACYAAAAAAAAAwOD//wAAAAAmAAAAZAAAABYAAABMAAAAAAAAAAAAAAAEAAAAAAAAAAEAAACAgIAKAAAAACgAAAAoAAAAZAAAAGQAAAAAAAAAzMzMAAAAAABQAAAAUAAAAGQAAABkAAAAAAAAABcAAAAUAAAAAAAAAAAAAAD/fwAA/38AAAAAAAAJAAAABAAAAAAAAAAMAAAAEAAAAAAAAAAAAAAAAAAAAAAAAAAeAAAAaAAAAAAAAAAAAAAAAAAAAAAAAAAAAAAAECcAABAnAAAAAAAAAAAAAAAAAAAAAAAAAAAAAAAAAAAAAAAAAAAAABQAAAAAAAAAwMD/AAAAAABkAAAAMgAAAAAAAABkAAAAAAAAAH9/fwAKAAAAHwAAAFQAAAAAAAAFAAAAAQAAAAAAAAAAAAAAAAAAAAAAAAAAAAAAAAAAAAAAAAAAAAAAAn9/fwAAAAADzMzMAMDA/wB/f38AAAAAAAAAAAAAAAAAAAAAAAAAAAAhAAAAGAAAABQAAAA4EwAAGycAAAglAABZKQAAEAAAACYAAAAIAAAAAAAAAAAAAAA="/>
               </a:ext>
             </a:extLst>
           </p:cNvSpPr>
@@ -765,7 +766,7 @@
             <a:spLocks noGrp="1" noChangeArrowheads="1"/>
             <a:extLst>
               <a:ext uri="smNativeData">
-                <pr:smNativeData xmlns:pr="smNativeData" val="SMDATA_13_cFGrYxMAAAAlAAAAZAAAAA8BAAAAkAAAAEgAAACQAAAASAAAAAAAAAABAAAAAAAAAAEAAABQAAAAAAAAAAAA4D8AAAAAAADgPwAAAAAAAOA/AAAAAAAA4D8AAAAAAADgPwAAAAAAAOA/AAAAAAAA4D8AAAAAAADgPwAAAAAAAOA/AAAAAAAA4D8CAAAAjAAAAAAAAAAAAAAAu+DjDP///wgAAAAAAAAAAAAAAAAAAAAAAAAAAAAAAAAAAAAAZAAAAAEAAABAAAAAAAAAAAAAAAAAAAAAAAAAAAAAAAAAAAAAAAAAAAAAAAAAAAAAAAAAAAAAAAAAAAAAAAAAAAAAAAAAAAAAAAAAAAAAAAAAAAAAAAAAAAAAAAAAAAAAFAAAADwAAAAAAAAAAAAAAAAAAAkUAAAAAQAAABQAAAAUAAAAFAAAAAEAAAAAAAAAZAAAAGQAAAAAAAAAZAAAAGQAAAAVAAAAYAAAAAAAAAAAAAAADwAAACADAAAAAAAAAAAAAAEAAACgMgAAVgcAAKr4//8BAAAAf39/AAEAAABkAAAAAAAAABQAAABAHwAAAAAAACYAAAAAAAAAwOD//wAAAAAmAAAAZAAAABYAAABMAAAAAAAAAAAAAAAEAAAAAAAAAAEAAACAgIAKAAAAACgAAAAoAAAAZAAAAGQAAAAAAAAAzMzMAAAAAABQAAAAUAAAAGQAAABkAAAAAAAAABcAAAAUAAAAAAAAAAAAAAD/fwAA/38AAAAAAAAJAAAABAAAAAAAAAAMAAAAEAAAAAAAAAAAAAAAAAAAAAAAAAAeAAAAaAAAAAAAAAAAAAAAAAAAAAAAAAAAAAAAECcAABAnAAAAAAAAAAAAAAAAAAAAAAAAAAAAAAAAAAAAAAAAAAAAABQAAAAAAAAAwMD/AAAAAABkAAAAMgAAAAAAAABkAAAAAAAAAH9/fwAKAAAAHwAAAFQAAAAAAAAFAAAAAQAAAAAAAAAAAAAAAAAAAAAAAAAAAAAAAAAAAAAAAAAAAAAAAn9/fwAAAAADzMzMAMDA/wB/f38AAAAAAAAAAAAAAAAAAAAAAAAAAAAhAAAAGAAAABQAAABQKAAAGycAAHA1AABZKQAAEAAAACYAAAAIAAAAAAAAAAAAAAA="/>
+                <pr:smNativeData xmlns:pr="smNativeData" val="SMDATA_13_B6msYxMAAAAlAAAAZAAAAA8BAAAAkAAAAEgAAACQAAAASAAAAAAAAAABAAAAAAAAAAEAAABQAAAAAAAAAAAA4D8AAAAAAADgPwAAAAAAAOA/AAAAAAAA4D8AAAAAAADgPwAAAAAAAOA/AAAAAAAA4D8AAAAAAADgPwAAAAAAAOA/AAAAAAAA4D8CAAAAjAAAAAAAAAAAAAAAu+DjDP///wgAAAAAAAAAAAAAAAAAAAAAAAAAAAAAAAAAAAAAZAAAAAEAAABAAAAAAAAAAAAAAAAAAAAAAAAAAAAAAAAAAAAAAAAAAAAAAAAAAAAAAAAAAAAAAAAAAAAAAAAAAAAAAAAAAAAAAAAAAAAAAAAAAAAAAAAAAAAAAAAAAAAAFAAAADwAAAAAAAAAAAAAAAAAAAkUAAAAAQAAABQAAAAUAAAAFAAAAAEAAAAAAAAAZAAAAGQAAAAAAAAAZAAAAGQAAAAVAAAAYAAAAAAAAAAAAAAADwAAACADAAAAAAAAAAAAAAEAAACgMgAAVgcAAKr4//8BAAAAf39/AAEAAABkAAAAAAAAABQAAABAHwAAAAAAACYAAAAAAAAAwOD//wAAAAAmAAAAZAAAABYAAABMAAAAAAAAAAAAAAAEAAAAAAAAAAEAAACAgIAKAAAAACgAAAAoAAAAZAAAAGQAAAAAAAAAzMzMAAAAAABQAAAAUAAAAGQAAABkAAAAAAAAABcAAAAUAAAAAAAAAAAAAAD/fwAA/38AAAAAAAAJAAAABAAAAAAAAAAMAAAAEAAAAAAAAAAAAAAAAAAAAAAAAAAeAAAAaAAAAAAAAAAAAAAAAAAAAAAAAAAAAAAAECcAABAnAAAAAAAAAAAAAAAAAAAAAAAAAAAAAAAAAAAAAAAAAAAAABQAAAAAAAAAwMD/AAAAAABkAAAAMgAAAAAAAABkAAAAAAAAAH9/fwAKAAAAHwAAAFQAAAAAAAAFAAAAAQAAAAAAAAAAAAAAAAAAAAAAAAAAAAAAAAAAAAAAAAAAAAAAAn9/fwAAAAADzMzMAMDA/wB/f38AAAAAAAAAAAAAAAAAAAAAAAAAAAAhAAAAGAAAABQAAABQKAAAGycAAHA1AABZKQAAEAAAACYAAAAIAAAAAAAAAAAAAAA="/>
               </a:ext>
             </a:extLst>
           </p:cNvSpPr>
@@ -779,7 +780,7 @@
           <a:lstStyle/>
           <a:p>
             <a:pPr/>
-            <a:fld id="{21E7AD2D-63CC-B25B-825F-950EE31174C0}" type="slidenum">
+            <a:fld id="{1CA1BFE0-AEF1-F449-BF19-581CF157490D}" type="slidenum">
               <a:t/>
             </a:fld>
           </a:p>
@@ -817,7 +818,7 @@
             <a:spLocks noGrp="1" noChangeArrowheads="1"/>
             <a:extLst>
               <a:ext uri="smNativeData">
-                <pr:smNativeData xmlns:pr="smNativeData" val="SMDATA_13_cFGrYxMAAAAlAAAAZAAAAA8BAAAAkAAAAEgAAACQAAAASAAAAAAAAAABAAAAAAAAAAEAAABQAAAAAAAAAAAA4D8AAAAAAADgPwAAAAAAAOA/AAAAAAAA4D8AAAAAAADgPwAAAAAAAOA/AAAAAAAA4D8AAAAAAADgPwAAAAAAAOA/AAAAAAAA4D8CAAAAjAAAAAAAAAAAAAAAu+DjDP///wgAAAAAAAAAAAAAAAAAAAAAAAAAAAAAAAAAAAAAZAAAAAEAAABAAAAAAAAAAAAAAAAAAAAAAAAAAAAAAAAAAAAAAAAAAAAAAAAAAAAAAAAAAAAAAAAAAAAAAAAAAAAAAAAAAAAAAAAAAAAAAAAAAAAAAAAAAAAAAAAAAAAAFAAAADwAAAAAAAAAAAAAAAAAAAkUAAAAAQAAABQAAAAUAAAAFAAAAAEAAAAAAAAAZAAAAGQAAAAAAAAAZAAAAGQAAAAVAAAAYAAAAAAAAAAAAAAADwAAACADAAAAAAAAAAAAAAEAAACgMgAAVgcAAKr4//8BAAAAf39/AAEAAABkAAAAAAAAABQAAABAHwAAAAAAACYAAAAAAAAAwOD//wAAAAAmAAAAZAAAABYAAABMAAAAAAAAAAAAAAAEAAAAAAAAAAEAAACAgIAKAAAAACgAAAAoAAAAZAAAAGQAAAAAAAAAzMzMAAAAAABQAAAAUAAAAGQAAABkAAAAAAAAABcAAAAUAAAAAAAAAAAAAAD/fwAA/38AAAAAAAAJAAAABAAAAE4AbwAMAAAAEAAAAAAAAAAAAAAAAAAAAAAAAAAeAAAAaAAAAAAAAAAAAAAAAAAAAAAAAAAAAAAAECcAABAnAAAAAAAAAAAAAAAAAAAAAAAAAAAAAAAAAAAAAAAAAAAAABQAAAAAAAAAwMD/AAAAAABkAAAAMgAAAAAAAABkAAAAAAAAAH9/fwAKAAAAHwAAAFQAAAAAAAAFAAAAAQAAAAAAAAAAAAAAAAAAAAAAAAAAAAAAAAAAAAAAAAAAAAAAAn9/fwAAAAADzMzMAMDA/wB/f38AAAAAAAAAAAAAAAAAAAAAAAAAAAAhAAAAGAAAABQAAADQAgAAsAEAAHA1AAC4CAAAEAAAACYAAAAIAAAAAAAAAAAAAAA="/>
+                <pr:smNativeData xmlns:pr="smNativeData" val="SMDATA_13_B6msYxMAAAAlAAAAZAAAAA8BAAAAkAAAAEgAAACQAAAASAAAAAAAAAABAAAAAAAAAAEAAABQAAAAAAAAAAAA4D8AAAAAAADgPwAAAAAAAOA/AAAAAAAA4D8AAAAAAADgPwAAAAAAAOA/AAAAAAAA4D8AAAAAAADgPwAAAAAAAOA/AAAAAAAA4D8CAAAAjAAAAAAAAAAAAAAAu+DjDP///wgAAAAAAAAAAAAAAAAAAAAAAAAAAAAAAAAAAAAAZAAAAAEAAABAAAAAAAAAAAAAAAAAAAAAAAAAAAAAAAAAAAAAAAAAAAAAAAAAAAAAAAAAAAAAAAAAAAAAAAAAAAAAAAAAAAAAAAAAAAAAAAAAAAAAAAAAAAAAAAAAAAAAFAAAADwAAAAAAAAAAAAAAAAAAAkUAAAAAQAAABQAAAAUAAAAFAAAAAEAAAAAAAAAZAAAAGQAAAAAAAAAZAAAAGQAAAAVAAAAYAAAAAAAAAAAAAAADwAAACADAAAAAAAAAAAAAAEAAACgMgAAVgcAAKr4//8BAAAAf39/AAEAAABkAAAAAAAAABQAAABAHwAAAAAAACYAAAAAAAAAwOD//wAAAAAmAAAAZAAAABYAAABMAAAAAAAAAAAAAAAEAAAAAAAAAAEAAACAgIAKAAAAACgAAAAoAAAAZAAAAGQAAAAAAAAAzMzMAAAAAABQAAAAUAAAAGQAAABkAAAAAAAAABcAAAAUAAAAAAAAAAAAAAD/fwAA/38AAAAAAAAJAAAABAAAAE4AbwAMAAAAEAAAAAAAAAAAAAAAAAAAAAAAAAAeAAAAaAAAAAAAAAAAAAAAAAAAAAAAAAAAAAAAECcAABAnAAAAAAAAAAAAAAAAAAAAAAAAAAAAAAAAAAAAAAAAAAAAABQAAAAAAAAAwMD/AAAAAABkAAAAMgAAAAAAAABkAAAAAAAAAH9/fwAKAAAAHwAAAFQAAAAAAAAFAAAAAQAAAAAAAAAAAAAAAAAAAAAAAAAAAAAAAAAAAAAAAAAAAAAAAn9/fwAAAAADzMzMAMDA/wB/f38AAAAAAAAAAAAAAAAAAAAAAAAAAAAhAAAAGAAAABQAAADQAgAAsAEAAHA1AAC4CAAAEAAAACYAAAAIAAAAAAAAAAAAAAA="/>
               </a:ext>
             </a:extLst>
           </p:cNvSpPr>
@@ -844,7 +845,7 @@
             <a:spLocks noGrp="1" noChangeArrowheads="1"/>
             <a:extLst>
               <a:ext uri="smNativeData">
-                <pr:smNativeData xmlns:pr="smNativeData" val="SMDATA_13_cFGrYxMAAAAlAAAAZAAAAA8BAAAAkAAAAEgAAACQAAAASAAAAAAAAAAAAAAAAAAAAAEAAABQAAAAAAAAAAAA4D8AAAAAAADgPwAAAAAAAOA/AAAAAAAA4D8AAAAAAADgPwAAAAAAAOA/AAAAAAAA4D8AAAAAAADgPwAAAAAAAOA/AAAAAAAA4D8CAAAAjAAAAAAAAAAAAAAAu+DjDP///wgAAAAAAAAAAAAAAAAAAAAAAAAAAAAAAAAAAAAAZAAAAAEAAABAAAAAAAAAAAAAAAAAAAAAAAAAAAAAAAAAAAAAAAAAAAAAAAAAAAAAAAAAAAAAAAAAAAAAAAAAAAAAAAAAAAAAAAAAAAAAAAAAAAAAAAAAAAAAAAAAAAAAFAAAADwAAAAAAAAAAAAAAAAAAAkUAAAAAQAAABQAAAAUAAAAFAAAAAEAAAAAAAAAZAAAAGQAAAAAAAAAZAAAAGQAAAAVAAAAYAAAAAAAAAAAAAAADwAAACADAAAAAAAAAAAAAAEAAACgMgAAVgcAAKr4//8BAAAAf39/AAEAAABkAAAAAAAAABQAAABAHwAAAAAAACYAAAAAAAAAwOD//wAAAAAmAAAAZAAAABYAAABMAAAAAAAAAAAAAAAEAAAAAAAAAAEAAACAgIAKAAAAACgAAAAoAAAAZAAAAGQAAAAAAAAAzMzMAAAAAABQAAAAUAAAAGQAAABkAAAAAAAAABcAAAAUAAAAAAAAAAAAAAD/fwAA/38AAAAAAAAJAAAABAAAAAAAAAAMAAAAEAAAAAAAAAAAAAAAAAAAAAAAAAAeAAAAaAAAAAAAAAAAAAAAAAAAAAAAAAAAAAAAECcAABAnAAAAAAAAAAAAAAAAAAAAAAAAAAAAAAAAAAAAAAAAAAAAABQAAAAAAAAAwMD/AAAAAABkAAAAMgAAAAAAAABkAAAAAAAAAH9/fwAKAAAAHwAAAFQAAAAAAAAFAAAAAQAAAAAAAAAAAAAAAAAAAAAAAAAAAAAAAAAAAAAAAAAAAAAAAn9/fwAAAAADzMzMAMDA/wB/f38AAAAAAAAAAAAAAAAAAAAAAAAAAAAhAAAAGAAAABQAAADQAgAA2AkAAHA1AACwJQAAEAAAACYAAAAIAAAAAAAAAAAAAAA="/>
+                <pr:smNativeData xmlns:pr="smNativeData" val="SMDATA_13_B6msYxMAAAAlAAAAZAAAAA8BAAAAkAAAAEgAAACQAAAASAAAAAAAAAAAAAAAAAAAAAEAAABQAAAAAAAAAAAA4D8AAAAAAADgPwAAAAAAAOA/AAAAAAAA4D8AAAAAAADgPwAAAAAAAOA/AAAAAAAA4D8AAAAAAADgPwAAAAAAAOA/AAAAAAAA4D8CAAAAjAAAAAAAAAAAAAAAu+DjDP///wgAAAAAAAAAAAAAAAAAAAAAAAAAAAAAAAAAAAAAZAAAAAEAAABAAAAAAAAAAAAAAAAAAAAAAAAAAAAAAAAAAAAAAAAAAAAAAAAAAAAAAAAAAAAAAAAAAAAAAAAAAAAAAAAAAAAAAAAAAAAAAAAAAAAAAAAAAAAAAAAAAAAAFAAAADwAAAAAAAAAAAAAAAAAAAkUAAAAAQAAABQAAAAUAAAAFAAAAAEAAAAAAAAAZAAAAGQAAAAAAAAAZAAAAGQAAAAVAAAAYAAAAAAAAAAAAAAADwAAACADAAAAAAAAAAAAAAEAAACgMgAAVgcAAKr4//8BAAAAf39/AAEAAABkAAAAAAAAABQAAABAHwAAAAAAACYAAAAAAAAAwOD//wAAAAAmAAAAZAAAABYAAABMAAAAAAAAAAAAAAAEAAAAAAAAAAEAAACAgIAKAAAAACgAAAAoAAAAZAAAAGQAAAAAAAAAzMzMAAAAAABQAAAAUAAAAGQAAABkAAAAAAAAABcAAAAUAAAAAAAAAAAAAAD/fwAA/38AAAAAAAAJAAAABAAAAAAAAAAMAAAAEAAAAAAAAAAAAAAAAAAAAAAAAAAeAAAAaAAAAAAAAAAAAAAAAAAAAAAAAAAAAAAAECcAABAnAAAAAAAAAAAAAAAAAAAAAAAAAAAAAAAAAAAAAAAAAAAAABQAAAAAAAAAwMD/AAAAAABkAAAAMgAAAAAAAABkAAAAAAAAAH9/fwAKAAAAHwAAAFQAAAAAAAAFAAAAAQAAAAAAAAAAAAAAAAAAAAAAAAAAAAAAAAAAAAAAAAAAAAAAAn9/fwAAAAADzMzMAMDA/wB/f38AAAAAAAAAAAAAAAAAAAAAAAAAAAAhAAAAGAAAABQAAADQAgAA2AkAAHA1AACwJQAAEAAAACYAAAAIAAAAAAAAAAAAAAA="/>
               </a:ext>
             </a:extLst>
           </p:cNvSpPr>
@@ -895,7 +896,7 @@
             <a:spLocks noGrp="1" noChangeArrowheads="1"/>
             <a:extLst>
               <a:ext uri="smNativeData">
-                <pr:smNativeData xmlns:pr="smNativeData" val="SMDATA_13_cFGrYxMAAAAlAAAAZAAAAA8BAAAAkAAAAEgAAACQAAAASAAAAAAAAAABAAAAAAAAAAEAAABQAAAAAAAAAAAA4D8AAAAAAADgPwAAAAAAAOA/AAAAAAAA4D8AAAAAAADgPwAAAAAAAOA/AAAAAAAA4D8AAAAAAADgPwAAAAAAAOA/AAAAAAAA4D8CAAAAjAAAAAAAAAAAAAAAu+DjDP///wgAAAAAAAAAAAAAAAAAAAAAAAAAAAAAAAAAAAAAZAAAAAEAAABAAAAAAAAAAAAAAAAAAAAAAAAAAAAAAAAAAAAAAAAAAAAAAAAAAAAAAAAAAAAAAAAAAAAAAAAAAAAAAAAAAAAAAAAAAAAAAAAAAAAAAAAAAAAAAAAAAAAAFAAAADwAAAAAAAAAAAAAAAAAAAkUAAAAAQAAABQAAAAUAAAAFAAAAAEAAAAAAAAAZAAAAGQAAAAAAAAAZAAAAGQAAAAVAAAAYAAAAAAAAAAAAAAADwAAACADAAAAAAAAAAAAAAEAAACgMgAAVgcAAKr4//8BAAAAf39/AAEAAABkAAAAAAAAABQAAABAHwAAAAAAACYAAAAAAAAAwOD//wAAAAAmAAAAZAAAABYAAABMAAAAAAAAAAAAAAAEAAAAAAAAAAEAAACAgIAKAAAAACgAAAAoAAAAZAAAAGQAAAAAAAAAzMzMAAAAAABQAAAAUAAAAGQAAABkAAAAAAAAABcAAAAUAAAAAAAAAAAAAAD/fwAA/38AAAAAAAAJAAAABAAAAFwAQwAMAAAAEAAAAAAAAAAAAAAAAAAAAAAAAAAeAAAAaAAAAAAAAAAAAAAAAAAAAAAAAAAAAAAAECcAABAnAAAAAAAAAAAAAAAAAAAAAAAAAAAAAAAAAAAAAAAAAAAAABQAAAAAAAAAwMD/AAAAAABkAAAAMgAAAAAAAABkAAAAAAAAAH9/fwAKAAAAHwAAAFQAAAAAAAAFAAAAAQAAAAAAAAAAAAAAAAAAAAAAAAAAAAAAAAAAAAAAAAAAAAAAAn9/fwAAAAADzMzMAMDA/wB/f38AAAAAAAAAAAAAAAAAAAAAAAAAAAAhAAAAGAAAABQAAADQAgAAGycAAPAPAABZKQAAEAAAACYAAAAIAAAAAAAAAAAAAAA="/>
+                <pr:smNativeData xmlns:pr="smNativeData" val="SMDATA_13_B6msYxMAAAAlAAAAZAAAAA8BAAAAkAAAAEgAAACQAAAASAAAAAAAAAABAAAAAAAAAAEAAABQAAAAAAAAAAAA4D8AAAAAAADgPwAAAAAAAOA/AAAAAAAA4D8AAAAAAADgPwAAAAAAAOA/AAAAAAAA4D8AAAAAAADgPwAAAAAAAOA/AAAAAAAA4D8CAAAAjAAAAAAAAAAAAAAAu+DjDP///wgAAAAAAAAAAAAAAAAAAAAAAAAAAAAAAAAAAAAAZAAAAAEAAABAAAAAAAAAAAAAAAAAAAAAAAAAAAAAAAAAAAAAAAAAAAAAAAAAAAAAAAAAAAAAAAAAAAAAAAAAAAAAAAAAAAAAAAAAAAAAAAAAAAAAAAAAAAAAAAAAAAAAFAAAADwAAAAAAAAAAAAAAAAAAAkUAAAAAQAAABQAAAAUAAAAFAAAAAEAAAAAAAAAZAAAAGQAAAAAAAAAZAAAAGQAAAAVAAAAYAAAAAAAAAAAAAAADwAAACADAAAAAAAAAAAAAAEAAACgMgAAVgcAAKr4//8BAAAAf39/AAEAAABkAAAAAAAAABQAAABAHwAAAAAAACYAAAAAAAAAwOD//wAAAAAmAAAAZAAAABYAAABMAAAAAAAAAAAAAAAEAAAAAAAAAAEAAACAgIAKAAAAACgAAAAoAAAAZAAAAGQAAAAAAAAAzMzMAAAAAABQAAAAUAAAAGQAAABkAAAAAAAAABcAAAAUAAAAAAAAAAAAAAD/fwAA/38AAAAAAAAJAAAABAAAAFwAQwAMAAAAEAAAAAAAAAAAAAAAAAAAAAAAAAAeAAAAaAAAAAAAAAAAAAAAAAAAAAAAAAAAAAAAECcAABAnAAAAAAAAAAAAAAAAAAAAAAAAAAAAAAAAAAAAAAAAAAAAABQAAAAAAAAAwMD/AAAAAABkAAAAMgAAAAAAAABkAAAAAAAAAH9/fwAKAAAAHwAAAFQAAAAAAAAFAAAAAQAAAAAAAAAAAAAAAAAAAAAAAAAAAAAAAAAAAAAAAAAAAAAAAn9/fwAAAAADzMzMAMDA/wB/f38AAAAAAAAAAAAAAAAAAAAAAAAAAAAhAAAAGAAAABQAAADQAgAAGycAAPAPAABZKQAAEAAAACYAAAAIAAAAAAAAAAAAAAA="/>
               </a:ext>
             </a:extLst>
           </p:cNvSpPr>
@@ -909,7 +910,7 @@
           <a:lstStyle/>
           <a:p>
             <a:pPr/>
-            <a:fld id="{21E7FD08-46CC-B20B-825F-B05EB31174E5}" type="datetime1">
+            <a:fld id="{1CA1EC7A-34F1-F41A-BF19-C24FA2574997}" type="datetime1">
               <a:t/>
             </a:fld>
           </a:p>
@@ -922,7 +923,7 @@
             <a:spLocks noGrp="1" noChangeArrowheads="1"/>
             <a:extLst>
               <a:ext uri="smNativeData">
-                <pr:smNativeData xmlns:pr="smNativeData" val="SMDATA_13_cFGrYxMAAAAlAAAAZAAAAA8BAAAAkAAAAEgAAACQAAAASAAAAAAAAAABAAAAAAAAAAEAAABQAAAAAAAAAAAA4D8AAAAAAADgPwAAAAAAAOA/AAAAAAAA4D8AAAAAAADgPwAAAAAAAOA/AAAAAAAA4D8AAAAAAADgPwAAAAAAAOA/AAAAAAAA4D8CAAAAjAAAAAAAAAAAAAAAu+DjDP///wgAAAAAAAAAAAAAAAAAAAAAAAAAAAAAAAAAAAAAZAAAAAEAAABAAAAAAAAAAAAAAAAAAAAAAAAAAAAAAAAAAAAAAAAAAAAAAAAAAAAAAAAAAAAAAAAAAAAAAAAAAAAAAAAAAAAAAAAAAAAAAAAAAAAAAAAAAAAAAAAAAAAAFAAAADwAAAAAAAAAAAAAAAAAAAkUAAAAAQAAABQAAAAUAAAAFAAAAAEAAAAAAAAAZAAAAGQAAAAAAAAAZAAAAGQAAAAVAAAAYAAAAAAAAAAAAAAADwAAACADAAAAAAAAAAAAAAEAAACgMgAAVgcAAKr4//8BAAAAf39/AAEAAABkAAAAAAAAABQAAABAHwAAAAAAACYAAAAAAAAAwOD//wAAAAAmAAAAZAAAABYAAABMAAAAAAAAAAAAAAAEAAAAAAAAAAEAAACAgIAKAAAAACgAAAAoAAAAZAAAAGQAAAAAAAAAzMzMAAAAAABQAAAAUAAAAGQAAABkAAAAAAAAABcAAAAUAAAAAAAAAAAAAAD/fwAA/38AAAAAAAAJAAAABAAAAElJSf8MAAAAEAAAAAAAAAAAAAAAAAAAAAAAAAAeAAAAaAAAAAAAAAAAAAAAAAAAAAAAAAAAAAAAECcAABAnAAAAAAAAAAAAAAAAAAAAAAAAAAAAAAAAAAAAAAAAAAAAABQAAAAAAAAAwMD/AAAAAABkAAAAMgAAAAAAAABkAAAAAAAAAH9/fwAKAAAAHwAAAFQAAAAAAAAFAAAAAQAAAAAAAAAAAAAAAAAAAAAAAAAAAAAAAAAAAAAAAAAAAAAAAn9/fwAAAAADzMzMAMDA/wB/f38AAAAAAAAAAAAAAAAAAAAAAAAAAAAhAAAAGAAAABQAAAA4EwAAGycAAAglAABZKQAAEAAAACYAAAAIAAAAAAAAAAAAAAA="/>
+                <pr:smNativeData xmlns:pr="smNativeData" val="SMDATA_13_B6msYxMAAAAlAAAAZAAAAA8BAAAAkAAAAEgAAACQAAAASAAAAAAAAAABAAAAAAAAAAEAAABQAAAAAAAAAAAA4D8AAAAAAADgPwAAAAAAAOA/AAAAAAAA4D8AAAAAAADgPwAAAAAAAOA/AAAAAAAA4D8AAAAAAADgPwAAAAAAAOA/AAAAAAAA4D8CAAAAjAAAAAAAAAAAAAAAu+DjDP///wgAAAAAAAAAAAAAAAAAAAAAAAAAAAAAAAAAAAAAZAAAAAEAAABAAAAAAAAAAAAAAAAAAAAAAAAAAAAAAAAAAAAAAAAAAAAAAAAAAAAAAAAAAAAAAAAAAAAAAAAAAAAAAAAAAAAAAAAAAAAAAAAAAAAAAAAAAAAAAAAAAAAAFAAAADwAAAAAAAAAAAAAAAAAAAkUAAAAAQAAABQAAAAUAAAAFAAAAAEAAAAAAAAAZAAAAGQAAAAAAAAAZAAAAGQAAAAVAAAAYAAAAAAAAAAAAAAADwAAACADAAAAAAAAAAAAAAEAAACgMgAAVgcAAKr4//8BAAAAf39/AAEAAABkAAAAAAAAABQAAABAHwAAAAAAACYAAAAAAAAAwOD//wAAAAAmAAAAZAAAABYAAABMAAAAAAAAAAAAAAAEAAAAAAAAAAEAAACAgIAKAAAAACgAAAAoAAAAZAAAAGQAAAAAAAAAzMzMAAAAAABQAAAAUAAAAGQAAABkAAAAAAAAABcAAAAUAAAAAAAAAAAAAAD/fwAA/38AAAAAAAAJAAAABAAAAElJSf8MAAAAEAAAAAAAAAAAAAAAAAAAAAAAAAAeAAAAaAAAAAAAAAAAAAAAAAAAAAAAAAAAAAAAECcAABAnAAAAAAAAAAAAAAAAAAAAAAAAAAAAAAAAAAAAAAAAAAAAABQAAAAAAAAAwMD/AAAAAABkAAAAMgAAAAAAAABkAAAAAAAAAH9/fwAKAAAAHwAAAFQAAAAAAAAFAAAAAQAAAAAAAAAAAAAAAAAAAAAAAAAAAAAAAAAAAAAAAAAAAAAAAn9/fwAAAAADzMzMAMDA/wB/f38AAAAAAAAAAAAAAAAAAAAAAAAAAAAhAAAAGAAAABQAAAA4EwAAGycAAAglAABZKQAAEAAAACYAAAAIAAAAAAAAAAAAAAA="/>
               </a:ext>
             </a:extLst>
           </p:cNvSpPr>
@@ -946,7 +947,7 @@
             <a:spLocks noGrp="1" noChangeArrowheads="1"/>
             <a:extLst>
               <a:ext uri="smNativeData">
-                <pr:smNativeData xmlns:pr="smNativeData" val="SMDATA_13_cFGrYxMAAAAlAAAAZAAAAA8BAAAAkAAAAEgAAACQAAAASAAAAAAAAAABAAAAAAAAAAEAAABQAAAAAAAAAAAA4D8AAAAAAADgPwAAAAAAAOA/AAAAAAAA4D8AAAAAAADgPwAAAAAAAOA/AAAAAAAA4D8AAAAAAADgPwAAAAAAAOA/AAAAAAAA4D8CAAAAjAAAAAAAAAAAAAAAu+DjDP///wgAAAAAAAAAAAAAAAAAAAAAAAAAAAAAAAAAAAAAZAAAAAEAAABAAAAAAAAAAAAAAAAAAAAAAAAAAAAAAAAAAAAAAAAAAAAAAAAAAAAAAAAAAAAAAAAAAAAAAAAAAAAAAAAAAAAAAAAAAAAAAAAAAAAAAAAAAAAAAAAAAAAAFAAAADwAAAAAAAAAAAAAAAAAAAkUAAAAAQAAABQAAAAUAAAAFAAAAAEAAAAAAAAAZAAAAGQAAAAAAAAAZAAAAGQAAAAVAAAAYAAAAAAAAAAAAAAADwAAACADAAAAAAAAAAAAAAEAAACgMgAAVgcAAKr4//8BAAAAf39/AAEAAABkAAAAAAAAABQAAABAHwAAAAAAACYAAAAAAAAAwOD//wAAAAAmAAAAZAAAABYAAABMAAAAAAAAAAAAAAAEAAAAAAAAAAEAAACAgIAKAAAAACgAAAAoAAAAZAAAAGQAAAAAAAAAzMzMAAAAAABQAAAAUAAAAGQAAABkAAAAAAAAABcAAAAUAAAAAAAAAAAAAAD/fwAA/38AAAAAAAAJAAAABAAAAAAAAAAMAAAAEAAAAAAAAAAAAAAAAAAAAAAAAAAeAAAAaAAAAAAAAAAAAAAAAAAAAAAAAAAAAAAAECcAABAnAAAAAAAAAAAAAAAAAAAAAAAAAAAAAAAAAAAAAAAAAAAAABQAAAAAAAAAwMD/AAAAAABkAAAAMgAAAAAAAABkAAAAAAAAAH9/fwAKAAAAHwAAAFQAAAAAAAAFAAAAAQAAAAAAAAAAAAAAAAAAAAAAAAAAAAAAAAAAAAAAAAAAAAAAAn9/fwAAAAADzMzMAMDA/wB/f38AAAAAAAAAAAAAAAAAAAAAAAAAAAAhAAAAGAAAABQAAABQKAAAGycAAHA1AABZKQAAEAAAACYAAAAIAAAAAAAAAAAAAAA="/>
+                <pr:smNativeData xmlns:pr="smNativeData" val="SMDATA_13_B6msYxMAAAAlAAAAZAAAAA8BAAAAkAAAAEgAAACQAAAASAAAAAAAAAABAAAAAAAAAAEAAABQAAAAAAAAAAAA4D8AAAAAAADgPwAAAAAAAOA/AAAAAAAA4D8AAAAAAADgPwAAAAAAAOA/AAAAAAAA4D8AAAAAAADgPwAAAAAAAOA/AAAAAAAA4D8CAAAAjAAAAAAAAAAAAAAAu+DjDP///wgAAAAAAAAAAAAAAAAAAAAAAAAAAAAAAAAAAAAAZAAAAAEAAABAAAAAAAAAAAAAAAAAAAAAAAAAAAAAAAAAAAAAAAAAAAAAAAAAAAAAAAAAAAAAAAAAAAAAAAAAAAAAAAAAAAAAAAAAAAAAAAAAAAAAAAAAAAAAAAAAAAAAFAAAADwAAAAAAAAAAAAAAAAAAAkUAAAAAQAAABQAAAAUAAAAFAAAAAEAAAAAAAAAZAAAAGQAAAAAAAAAZAAAAGQAAAAVAAAAYAAAAAAAAAAAAAAADwAAACADAAAAAAAAAAAAAAEAAACgMgAAVgcAAKr4//8BAAAAf39/AAEAAABkAAAAAAAAABQAAABAHwAAAAAAACYAAAAAAAAAwOD//wAAAAAmAAAAZAAAABYAAABMAAAAAAAAAAAAAAAEAAAAAAAAAAEAAACAgIAKAAAAACgAAAAoAAAAZAAAAGQAAAAAAAAAzMzMAAAAAABQAAAAUAAAAGQAAABkAAAAAAAAABcAAAAUAAAAAAAAAAAAAAD/fwAA/38AAAAAAAAJAAAABAAAAAAAAAAMAAAAEAAAAAAAAAAAAAAAAAAAAAAAAAAeAAAAaAAAAAAAAAAAAAAAAAAAAAAAAAAAAAAAECcAABAnAAAAAAAAAAAAAAAAAAAAAAAAAAAAAAAAAAAAAAAAAAAAABQAAAAAAAAAwMD/AAAAAABkAAAAMgAAAAAAAABkAAAAAAAAAH9/fwAKAAAAHwAAAFQAAAAAAAAFAAAAAQAAAAAAAAAAAAAAAAAAAAAAAAAAAAAAAAAAAAAAAAAAAAAAAn9/fwAAAAADzMzMAMDA/wB/f38AAAAAAAAAAAAAAAAAAAAAAAAAAAAhAAAAGAAAABQAAABQKAAAGycAAHA1AABZKQAAEAAAACYAAAAIAAAAAAAAAAAAAAA="/>
               </a:ext>
             </a:extLst>
           </p:cNvSpPr>
@@ -960,7 +961,7 @@
           <a:lstStyle/>
           <a:p>
             <a:pPr/>
-            <a:fld id="{21E7BFAE-E0CC-B249-825F-161CF1117443}" type="slidenum">
+            <a:fld id="{1CA1D250-1EF1-F424-BF19-E8719C5749BD}" type="slidenum">
               <a:t/>
             </a:fld>
           </a:p>
@@ -998,7 +999,7 @@
             <a:spLocks noGrp="1" noChangeArrowheads="1"/>
             <a:extLst>
               <a:ext uri="smNativeData">
-                <pr:smNativeData xmlns:pr="smNativeData" val="SMDATA_13_cFGrYxMAAAAlAAAAZAAAAA8BAAAAkAAAAEgAAACQAAAASAAAAAAAAAAAAAAAAAAAAAEAAABQAAAAAAAAAAAA4D8AAAAAAADgPwAAAAAAAOA/AAAAAAAA4D8AAAAAAADgPwAAAAAAAOA/AAAAAAAA4D8AAAAAAADgPwAAAAAAAOA/AAAAAAAA4D8CAAAAjAAAAAAAAAAAAAAAu+DjDP///wgAAAAAAAAAAAAAAAAAAAAAAAAAAAAAAAAAAAAAZAAAAAEAAABAAAAAAAAAAAAAAAAAAAAAAAAAAAAAAAAAAAAAAAAAAAAAAAAAAAAAAAAAAAAAAAAAAAAAAAAAAAAAAAAAAAAAAAAAAAAAAAAAAAAAAAAAAAAAAAAAAAAAFAAAADwAAAAAAAAAAAAAAAAAAAkUAAAAAQAAABQAAAAUAAAAFAAAAAEAAAAAAAAAZAAAAGQAAAAAAAAAZAAAAGQAAAAVAAAAYAAAAAAAAAAAAAAADwAAACADAAAAAAAAAAAAAAEAAACgMgAAVgcAAKr4//8BAAAAf39/AAEAAABkAAAAAAAAABQAAABAHwAAAAAAACYAAAAAAAAAwOD//wAAAAAmAAAAZAAAABYAAABMAAAAAAAAAAAAAAAEAAAAAAAAAAEAAACAgIAKAAAAACgAAAAoAAAAZAAAAGQAAAAAAAAAzMzMAAAAAABQAAAAUAAAAGQAAABkAAAAAAAAABcAAAAUAAAAAAAAAAAAAAD/fwAA/38AAAAAAAAJAAAABAAAAAAAAAAMAAAAEAAAAAAAAAAAAAAAAAAAAAAAAAAeAAAAaAAAAAAAAAAAAAAAAAAAAAAAAAAAAAAAECcAABAnAAAAAAAAAAAAAAAAAAAAAAAAAAAAAAAAAAAAAAAAAAAAABQAAAAAAAAAwMD/AAAAAABkAAAAMgAAAAAAAABkAAAAAAAAAH9/fwAKAAAAHwAAAFQAAAAAAAAFAAAAAQAAAAAAAAAAAAAAAAAAAAAAAAAAAAAAAAAAAAAAAAAAAAAAAn9/fwAAAAADzMzMAMDA/wB/f38AAAAAAAAAAAAAAAAAAAAAAAAAAAAhAAAAGAAAABQAAAByBAAAHBsAAEI0AAB9IwAAEAAAACYAAAAIAAAAgYAAAAAAAAA="/>
+                <pr:smNativeData xmlns:pr="smNativeData" val="SMDATA_13_B6msYxMAAAAlAAAAZAAAAA8BAAAAkAAAAEgAAACQAAAASAAAAAAAAAAAAAAAAAAAAAEAAABQAAAAAAAAAAAA4D8AAAAAAADgPwAAAAAAAOA/AAAAAAAA4D8AAAAAAADgPwAAAAAAAOA/AAAAAAAA4D8AAAAAAADgPwAAAAAAAOA/AAAAAAAA4D8CAAAAjAAAAAAAAAAAAAAAu+DjDP///wgAAAAAAAAAAAAAAAAAAAAAAAAAAAAAAAAAAAAAZAAAAAEAAABAAAAAAAAAAAAAAAAAAAAAAAAAAAAAAAAAAAAAAAAAAAAAAAAAAAAAAAAAAAAAAAAAAAAAAAAAAAAAAAAAAAAAAAAAAAAAAAAAAAAAAAAAAAAAAAAAAAAAFAAAADwAAAAAAAAAAAAAAAAAAAkUAAAAAQAAABQAAAAUAAAAFAAAAAEAAAAAAAAAZAAAAGQAAAAAAAAAZAAAAGQAAAAVAAAAYAAAAAAAAAAAAAAADwAAACADAAAAAAAAAAAAAAEAAACgMgAAVgcAAKr4//8BAAAAf39/AAEAAABkAAAAAAAAABQAAABAHwAAAAAAACYAAAAAAAAAwOD//wAAAAAmAAAAZAAAABYAAABMAAAAAAAAAAAAAAAEAAAAAAAAAAEAAACAgIAKAAAAACgAAAAoAAAAZAAAAGQAAAAAAAAAzMzMAAAAAABQAAAAUAAAAGQAAABkAAAAAAAAABcAAAAUAAAAAAAAAAAAAAD/fwAA/38AAAAAAAAJAAAABAAAAAAAAAAMAAAAEAAAAAAAAAAAAAAAAAAAAAAAAAAeAAAAaAAAAAAAAAAAAAAAAAAAAAAAAAAAAAAAECcAABAnAAAAAAAAAAAAAAAAAAAAAAAAAAAAAAAAAAAAAAAAAAAAABQAAAAAAAAAwMD/AAAAAABkAAAAMgAAAAAAAABkAAAAAAAAAH9/fwAKAAAAHwAAAFQAAAAAAAAFAAAAAQAAAAAAAAAAAAAAAAAAAAAAAAAAAAAAAAAAAAAAAAAAAAAAAn9/fwAAAAADzMzMAMDA/wB/f38AAAAAAAAAAAAAAAAAAAAAAAAAAAAhAAAAGAAAABQAAAByBAAAHBsAAEI0AAB9IwAAEAAAACYAAAAIAAAAgYAAAAAAAAA="/>
               </a:ext>
             </a:extLst>
           </p:cNvSpPr>
@@ -1040,7 +1041,7 @@
             <a:spLocks noGrp="1" noChangeArrowheads="1"/>
             <a:extLst>
               <a:ext uri="smNativeData">
-                <pr:smNativeData xmlns:pr="smNativeData" val="SMDATA_13_cFGrYxMAAAAlAAAAZAAAAA8BAAAAkAAAAEgAAACQAAAASAAAAAAAAAACAAAAAAAAAAEAAABQAAAAAAAAAAAA4D8AAAAAAADgPwAAAAAAAOA/AAAAAAAA4D8AAAAAAADgPwAAAAAAAOA/AAAAAAAA4D8AAAAAAADgPwAAAAAAAOA/AAAAAAAA4D8CAAAAjAAAAAAAAAAAAAAAu+DjDP///wgAAAAAAAAAAAAAAAAAAAAAAAAAAAAAAAAAAAAAZAAAAAEAAABAAAAAAAAAAAAAAAAAAAAAAAAAAAAAAAAAAAAAAAAAAAAAAAAAAAAAAAAAAAAAAAAAAAAAAAAAAAAAAAAAAAAAAAAAAAAAAAAAAAAAAAAAAAAAAAAAAAAAFAAAADwAAAAAAAAAAAAAAAAAAAkUAAAAAQAAABQAAAAUAAAAFAAAAAEAAAAAAAAAZAAAAGQAAAAAAAAAZAAAAGQAAAAVAAAAYAAAAAAAAAAAAAAADwAAACADAAAAAAAAAAAAAAEAAACgMgAAVgcAAKr4//8BAAAAf39/AAEAAABkAAAAAAAAABQAAABAHwAAAAAAACYAAAAAAAAAwOD//wAAAAAmAAAAZAAAABYAAABMAAAAAAAAAAAAAAAEAAAAAAAAAAEAAACAgIAKAAAAACgAAAAoAAAAZAAAAGQAAAAAAAAAzMzMAAAAAABQAAAAUAAAAGQAAABkAAAAAAAAABcAAAAUAAAAAAAAAAAAAAD/fwAA/38AAAAAAAAJAAAABAAAAO3FAwAMAAAAEAAAAAAAAAAAAAAAAAAAAAAAAAAeAAAAaAAAAAAAAAAAAAAAAAAAAAAAAAAAAAAAECcAABAnAAAAAAAAAAAAAAAAAAAAAAAAAAAAAAAAAAAAAAAAAAAAABQAAAAAAAAAwMD/AAAAAABkAAAAMgAAAAAAAABkAAAAAAAAAH9/fwAKAAAAHwAAAFQAAAAAAAAFAAAAAQAAAAAAAAAAAAAAAAAAAAAAAAAAAAAAAAAAAAAAAAAAAAAAAn9/fwAAAAADzMzMAMDA/wB/f38AAAAAAAAAAAAAAAAAAAAAAAAAAAAhAAAAGAAAABQAAAByBAAA4REAAEI0AAAcGwAAEAAAACYAAAAIAAAAgYAAAAAAAAA="/>
+                <pr:smNativeData xmlns:pr="smNativeData" val="SMDATA_13_B6msYxMAAAAlAAAAZAAAAA8BAAAAkAAAAEgAAACQAAAASAAAAAAAAAACAAAAAAAAAAEAAABQAAAAAAAAAAAA4D8AAAAAAADgPwAAAAAAAOA/AAAAAAAA4D8AAAAAAADgPwAAAAAAAOA/AAAAAAAA4D8AAAAAAADgPwAAAAAAAOA/AAAAAAAA4D8CAAAAjAAAAAAAAAAAAAAAu+DjDP///wgAAAAAAAAAAAAAAAAAAAAAAAAAAAAAAAAAAAAAZAAAAAEAAABAAAAAAAAAAAAAAAAAAAAAAAAAAAAAAAAAAAAAAAAAAAAAAAAAAAAAAAAAAAAAAAAAAAAAAAAAAAAAAAAAAAAAAAAAAAAAAAAAAAAAAAAAAAAAAAAAAAAAFAAAADwAAAAAAAAAAAAAAAAAAAkUAAAAAQAAABQAAAAUAAAAFAAAAAEAAAAAAAAAZAAAAGQAAAAAAAAAZAAAAGQAAAAVAAAAYAAAAAAAAAAAAAAADwAAACADAAAAAAAAAAAAAAEAAACgMgAAVgcAAKr4//8BAAAAf39/AAEAAABkAAAAAAAAABQAAABAHwAAAAAAACYAAAAAAAAAwOD//wAAAAAmAAAAZAAAABYAAABMAAAAAAAAAAAAAAAEAAAAAAAAAAEAAACAgIAKAAAAACgAAAAoAAAAZAAAAGQAAAAAAAAAzMzMAAAAAABQAAAAUAAAAGQAAABkAAAAAAAAABcAAAAUAAAAAAAAAAAAAAD/fwAA/38AAAAAAAAJAAAABAAAAO3FAwAMAAAAEAAAAAAAAAAAAAAAAAAAAAAAAAAeAAAAaAAAAAAAAAAAAAAAAAAAAAAAAAAAAAAAECcAABAnAAAAAAAAAAAAAAAAAAAAAAAAAAAAAAAAAAAAAAAAAAAAABQAAAAAAAAAwMD/AAAAAABkAAAAMgAAAAAAAABkAAAAAAAAAH9/fwAKAAAAHwAAAFQAAAAAAAAFAAAAAQAAAAAAAAAAAAAAAAAAAAAAAAAAAAAAAAAAAAAAAAAAAAAAAn9/fwAAAAADzMzMAMDA/wB/f38AAAAAAAAAAAAAAAAAAAAAAAAAAAAhAAAAGAAAABQAAAByBAAA4REAAEI0AAAcGwAAEAAAACYAAAAIAAAAgYAAAAAAAAA="/>
               </a:ext>
             </a:extLst>
           </p:cNvSpPr>
@@ -1113,7 +1114,7 @@
             <a:spLocks noGrp="1" noChangeArrowheads="1"/>
             <a:extLst>
               <a:ext uri="smNativeData">
-                <pr:smNativeData xmlns:pr="smNativeData" val="SMDATA_13_cFGrYxMAAAAlAAAAZAAAAA8BAAAAkAAAAEgAAACQAAAASAAAAAAAAAABAAAAAAAAAAEAAABQAAAAAAAAAAAA4D8AAAAAAADgPwAAAAAAAOA/AAAAAAAA4D8AAAAAAADgPwAAAAAAAOA/AAAAAAAA4D8AAAAAAADgPwAAAAAAAOA/AAAAAAAA4D8CAAAAjAAAAAAAAAAAAAAAu+DjDP///wgAAAAAAAAAAAAAAAAAAAAAAAAAAAAAAAAAAAAAZAAAAAEAAABAAAAAAAAAAAAAAAAAAAAAAAAAAAAAAAAAAAAAAAAAAAAAAAAAAAAAAAAAAAAAAAAAAAAAAAAAAAAAAAAAAAAAAAAAAAAAAAAAAAAAAAAAAAAAAAAAAAAAFAAAADwAAAAAAAAAAAAAAAAAAAkUAAAAAQAAABQAAAAUAAAAFAAAAAEAAAAAAAAAZAAAAGQAAAAAAAAAZAAAAGQAAAAVAAAAYAAAAAAAAAAAAAAADwAAACADAAAAAAAAAAAAAAEAAACgMgAAVgcAAKr4//8BAAAAf39/AAEAAABkAAAAAAAAABQAAABAHwAAAAAAACYAAAAAAAAAwOD//wAAAAAmAAAAZAAAABYAAABMAAAAAAAAAAAAAAAEAAAAAAAAAAEAAACAgIAKAAAAACgAAAAoAAAAZAAAAGQAAAAAAAAAzMzMAAAAAABQAAAAUAAAAGQAAABkAAAAAAAAABcAAAAUAAAAAAAAAAAAAAD/fwAA/38AAAAAAAAJAAAABAAAAPBC34oMAAAAEAAAAAAAAAAAAAAAAAAAAAAAAAAeAAAAaAAAAAAAAAAAAAAAAAAAAAAAAAAAAAAAECcAABAnAAAAAAAAAAAAAAAAAAAAAAAAAAAAAAAAAAAAAAAAAAAAABQAAAAAAAAAwMD/AAAAAABkAAAAMgAAAAAAAABkAAAAAAAAAH9/fwAKAAAAHwAAAFQAAAAAAAAFAAAAAQAAAAAAAAAAAAAAAAAAAAAAAAAAAAAAAAAAAAAAAAAAAAAAAn9/fwAAAAADzMzMAMDA/wB/f38AAAAAAAAAAAAAAAAAAAAAAAAAAAAhAAAAGAAAABQAAADQAgAAGycAAPAPAABZKQAAEAAAACYAAAAIAAAAAAAAAAAAAAA="/>
+                <pr:smNativeData xmlns:pr="smNativeData" val="SMDATA_13_B6msYxMAAAAlAAAAZAAAAA8BAAAAkAAAAEgAAACQAAAASAAAAAAAAAABAAAAAAAAAAEAAABQAAAAAAAAAAAA4D8AAAAAAADgPwAAAAAAAOA/AAAAAAAA4D8AAAAAAADgPwAAAAAAAOA/AAAAAAAA4D8AAAAAAADgPwAAAAAAAOA/AAAAAAAA4D8CAAAAjAAAAAAAAAAAAAAAu+DjDP///wgAAAAAAAAAAAAAAAAAAAAAAAAAAAAAAAAAAAAAZAAAAAEAAABAAAAAAAAAAAAAAAAAAAAAAAAAAAAAAAAAAAAAAAAAAAAAAAAAAAAAAAAAAAAAAAAAAAAAAAAAAAAAAAAAAAAAAAAAAAAAAAAAAAAAAAAAAAAAAAAAAAAAFAAAADwAAAAAAAAAAAAAAAAAAAkUAAAAAQAAABQAAAAUAAAAFAAAAAEAAAAAAAAAZAAAAGQAAAAAAAAAZAAAAGQAAAAVAAAAYAAAAAAAAAAAAAAADwAAACADAAAAAAAAAAAAAAEAAACgMgAAVgcAAKr4//8BAAAAf39/AAEAAABkAAAAAAAAABQAAABAHwAAAAAAACYAAAAAAAAAwOD//wAAAAAmAAAAZAAAABYAAABMAAAAAAAAAAAAAAAEAAAAAAAAAAEAAACAgIAKAAAAACgAAAAoAAAAZAAAAGQAAAAAAAAAzMzMAAAAAABQAAAAUAAAAGQAAABkAAAAAAAAABcAAAAUAAAAAAAAAAAAAAD/fwAA/38AAAAAAAAJAAAABAAAAPBC34oMAAAAEAAAAAAAAAAAAAAAAAAAAAAAAAAeAAAAaAAAAAAAAAAAAAAAAAAAAAAAAAAAAAAAECcAABAnAAAAAAAAAAAAAAAAAAAAAAAAAAAAAAAAAAAAAAAAAAAAABQAAAAAAAAAwMD/AAAAAABkAAAAMgAAAAAAAABkAAAAAAAAAH9/fwAKAAAAHwAAAFQAAAAAAAAFAAAAAQAAAAAAAAAAAAAAAAAAAAAAAAAAAAAAAAAAAAAAAAAAAAAAAn9/fwAAAAADzMzMAMDA/wB/f38AAAAAAAAAAAAAAAAAAAAAAAAAAAAhAAAAGAAAABQAAADQAgAAGycAAPAPAABZKQAAEAAAACYAAAAIAAAAAAAAAAAAAAA="/>
               </a:ext>
             </a:extLst>
           </p:cNvSpPr>
@@ -1127,7 +1128,7 @@
           <a:lstStyle/>
           <a:p>
             <a:pPr/>
-            <a:fld id="{21E7C404-4ACC-B232-825F-BC678A1174E9}" type="datetime1">
+            <a:fld id="{1CA1EDBD-F3F1-F41B-BF19-054EA3574950}" type="datetime1">
               <a:t/>
             </a:fld>
           </a:p>
@@ -1140,7 +1141,7 @@
             <a:spLocks noGrp="1" noChangeArrowheads="1"/>
             <a:extLst>
               <a:ext uri="smNativeData">
-                <pr:smNativeData xmlns:pr="smNativeData" val="SMDATA_13_cFGrYxMAAAAlAAAAZAAAAA8BAAAAkAAAAEgAAACQAAAASAAAAAAAAAABAAAAAAAAAAEAAABQAAAAAAAAAAAA4D8AAAAAAADgPwAAAAAAAOA/AAAAAAAA4D8AAAAAAADgPwAAAAAAAOA/AAAAAAAA4D8AAAAAAADgPwAAAAAAAOA/AAAAAAAA4D8CAAAAjAAAAAAAAAAAAAAAu+DjDP///wgAAAAAAAAAAAAAAAAAAAAAAAAAAAAAAAAAAAAAZAAAAAEAAABAAAAAAAAAAAAAAAAAAAAAAAAAAAAAAAAAAAAAAAAAAAAAAAAAAAAAAAAAAAAAAAAAAAAAAAAAAAAAAAAAAAAAAAAAAAAAAAAAAAAAAAAAAAAAAAAAAAAAFAAAADwAAAAAAAAAAAAAAAAAAAkUAAAAAQAAABQAAAAUAAAAFAAAAAEAAAAAAAAAZAAAAGQAAAAAAAAAZAAAAGQAAAAVAAAAYAAAAAAAAAAAAAAADwAAACADAAAAAAAAAAAAAAEAAACgMgAAVgcAAKr4//8BAAAAf39/AAEAAABkAAAAAAAAABQAAABAHwAAAAAAACYAAAAAAAAAwOD//wAAAAAmAAAAZAAAABYAAABMAAAAAAAAAAAAAAAEAAAAAAAAAAEAAACAgIAKAAAAACgAAAAoAAAAZAAAAGQAAAAAAAAAzMzMAAAAAABQAAAAUAAAAGQAAABkAAAAAAAAABcAAAAUAAAAAAAAAAAAAAD/fwAA/38AAAAAAAAJAAAABAAAANMZJUQMAAAAEAAAAAAAAAAAAAAAAAAAAAAAAAAeAAAAaAAAAAAAAAAAAAAAAAAAAAAAAAAAAAAAECcAABAnAAAAAAAAAAAAAAAAAAAAAAAAAAAAAAAAAAAAAAAAAAAAABQAAAAAAAAAwMD/AAAAAABkAAAAMgAAAAAAAABkAAAAAAAAAH9/fwAKAAAAHwAAAFQAAAAAAAAFAAAAAQAAAAAAAAAAAAAAAAAAAAAAAAAAAAAAAAAAAAAAAAAAAAAAAn9/fwAAAAADzMzMAMDA/wB/f38AAAAAAAAAAAAAAAAAAAAAAAAAAAAhAAAAGAAAABQAAAA4EwAAGycAAAglAABZKQAAEAAAACYAAAAIAAAAAAAAAAAAAAA="/>
+                <pr:smNativeData xmlns:pr="smNativeData" val="SMDATA_13_B6msYxMAAAAlAAAAZAAAAA8BAAAAkAAAAEgAAACQAAAASAAAAAAAAAABAAAAAAAAAAEAAABQAAAAAAAAAAAA4D8AAAAAAADgPwAAAAAAAOA/AAAAAAAA4D8AAAAAAADgPwAAAAAAAOA/AAAAAAAA4D8AAAAAAADgPwAAAAAAAOA/AAAAAAAA4D8CAAAAjAAAAAAAAAAAAAAAu+DjDP///wgAAAAAAAAAAAAAAAAAAAAAAAAAAAAAAAAAAAAAZAAAAAEAAABAAAAAAAAAAAAAAAAAAAAAAAAAAAAAAAAAAAAAAAAAAAAAAAAAAAAAAAAAAAAAAAAAAAAAAAAAAAAAAAAAAAAAAAAAAAAAAAAAAAAAAAAAAAAAAAAAAAAAFAAAADwAAAAAAAAAAAAAAAAAAAkUAAAAAQAAABQAAAAUAAAAFAAAAAEAAAAAAAAAZAAAAGQAAAAAAAAAZAAAAGQAAAAVAAAAYAAAAAAAAAAAAAAADwAAACADAAAAAAAAAAAAAAEAAACgMgAAVgcAAKr4//8BAAAAf39/AAEAAABkAAAAAAAAABQAAABAHwAAAAAAACYAAAAAAAAAwOD//wAAAAAmAAAAZAAAABYAAABMAAAAAAAAAAAAAAAEAAAAAAAAAAEAAACAgIAKAAAAACgAAAAoAAAAZAAAAGQAAAAAAAAAzMzMAAAAAABQAAAAUAAAAGQAAABkAAAAAAAAABcAAAAUAAAAAAAAAAAAAAD/fwAA/38AAAAAAAAJAAAABAAAANMZJUQMAAAAEAAAAAAAAAAAAAAAAAAAAAAAAAAeAAAAaAAAAAAAAAAAAAAAAAAAAAAAAAAAAAAAECcAABAnAAAAAAAAAAAAAAAAAAAAAAAAAAAAAAAAAAAAAAAAAAAAABQAAAAAAAAAwMD/AAAAAABkAAAAMgAAAAAAAABkAAAAAAAAAH9/fwAKAAAAHwAAAFQAAAAAAAAFAAAAAQAAAAAAAAAAAAAAAAAAAAAAAAAAAAAAAAAAAAAAAAAAAAAAAn9/fwAAAAADzMzMAMDA/wB/f38AAAAAAAAAAAAAAAAAAAAAAAAAAAAhAAAAGAAAABQAAAA4EwAAGycAAAglAABZKQAAEAAAACYAAAAIAAAAAAAAAAAAAAA="/>
               </a:ext>
             </a:extLst>
           </p:cNvSpPr>
@@ -1164,7 +1165,7 @@
             <a:spLocks noGrp="1" noChangeArrowheads="1"/>
             <a:extLst>
               <a:ext uri="smNativeData">
-                <pr:smNativeData xmlns:pr="smNativeData" val="SMDATA_13_cFGrYxMAAAAlAAAAZAAAAA8BAAAAkAAAAEgAAACQAAAASAAAAAAAAAABAAAAAAAAAAEAAABQAAAAAAAAAAAA4D8AAAAAAADgPwAAAAAAAOA/AAAAAAAA4D8AAAAAAADgPwAAAAAAAOA/AAAAAAAA4D8AAAAAAADgPwAAAAAAAOA/AAAAAAAA4D8CAAAAjAAAAAAAAAAAAAAAu+DjDP///wgAAAAAAAAAAAAAAAAAAAAAAAAAAAAAAAAAAAAAZAAAAAEAAABAAAAAAAAAAAAAAAAAAAAAAAAAAAAAAAAAAAAAAAAAAAAAAAAAAAAAAAAAAAAAAAAAAAAAAAAAAAAAAAAAAAAAAAAAAAAAAAAAAAAAAAAAAAAAAAAAAAAAFAAAADwAAAAAAAAAAAAAAAAAAAkUAAAAAQAAABQAAAAUAAAAFAAAAAEAAAAAAAAAZAAAAGQAAAAAAAAAZAAAAGQAAAAVAAAAYAAAAAAAAAAAAAAADwAAACADAAAAAAAAAAAAAAEAAACgMgAAVgcAAKr4//8BAAAAf39/AAEAAABkAAAAAAAAABQAAABAHwAAAAAAACYAAAAAAAAAwOD//wAAAAAmAAAAZAAAABYAAABMAAAAAAAAAAAAAAAEAAAAAAAAAAEAAACAgIAKAAAAACgAAAAoAAAAZAAAAGQAAAAAAAAAzMzMAAAAAABQAAAAUAAAAGQAAABkAAAAAAAAABcAAAAUAAAAAAAAAAAAAAD/fwAA/38AAAAAAAAJAAAABAAAAPhL+yIMAAAAEAAAAAAAAAAAAAAAAAAAAAAAAAAeAAAAaAAAAAAAAAAAAAAAAAAAAAAAAAAAAAAAECcAABAnAAAAAAAAAAAAAAAAAAAAAAAAAAAAAAAAAAAAAAAAAAAAABQAAAAAAAAAwMD/AAAAAABkAAAAMgAAAAAAAABkAAAAAAAAAH9/fwAKAAAAHwAAAFQAAAAAAAAFAAAAAQAAAAAAAAAAAAAAAAAAAAAAAAAAAAAAAAAAAAAAAAAAAAAAAn9/fwAAAAADzMzMAMDA/wB/f38AAAAAAAAAAAAAAAAAAAAAAAAAAAAhAAAAGAAAABQAAABQKAAAGycAAHA1AABZKQAAEAAAACYAAAAIAAAAAAAAAAAAAAA="/>
+                <pr:smNativeData xmlns:pr="smNativeData" val="SMDATA_13_B6msYxMAAAAlAAAAZAAAAA8BAAAAkAAAAEgAAACQAAAASAAAAAAAAAABAAAAAAAAAAEAAABQAAAAAAAAAAAA4D8AAAAAAADgPwAAAAAAAOA/AAAAAAAA4D8AAAAAAADgPwAAAAAAAOA/AAAAAAAA4D8AAAAAAADgPwAAAAAAAOA/AAAAAAAA4D8CAAAAjAAAAAAAAAAAAAAAu+DjDP///wgAAAAAAAAAAAAAAAAAAAAAAAAAAAAAAAAAAAAAZAAAAAEAAABAAAAAAAAAAAAAAAAAAAAAAAAAAAAAAAAAAAAAAAAAAAAAAAAAAAAAAAAAAAAAAAAAAAAAAAAAAAAAAAAAAAAAAAAAAAAAAAAAAAAAAAAAAAAAAAAAAAAAFAAAADwAAAAAAAAAAAAAAAAAAAkUAAAAAQAAABQAAAAUAAAAFAAAAAEAAAAAAAAAZAAAAGQAAAAAAAAAZAAAAGQAAAAVAAAAYAAAAAAAAAAAAAAADwAAACADAAAAAAAAAAAAAAEAAACgMgAAVgcAAKr4//8BAAAAf39/AAEAAABkAAAAAAAAABQAAABAHwAAAAAAACYAAAAAAAAAwOD//wAAAAAmAAAAZAAAABYAAABMAAAAAAAAAAAAAAAEAAAAAAAAAAEAAACAgIAKAAAAACgAAAAoAAAAZAAAAGQAAAAAAAAAzMzMAAAAAABQAAAAUAAAAGQAAABkAAAAAAAAABcAAAAUAAAAAAAAAAAAAAD/fwAA/38AAAAAAAAJAAAABAAAAPhL+yIMAAAAEAAAAAAAAAAAAAAAAAAAAAAAAAAeAAAAaAAAAAAAAAAAAAAAAAAAAAAAAAAAAAAAECcAABAnAAAAAAAAAAAAAAAAAAAAAAAAAAAAAAAAAAAAAAAAAAAAABQAAAAAAAAAwMD/AAAAAABkAAAAMgAAAAAAAABkAAAAAAAAAH9/fwAKAAAAHwAAAFQAAAAAAAAFAAAAAQAAAAAAAAAAAAAAAAAAAAAAAAAAAAAAAAAAAAAAAAAAAAAAAn9/fwAAAAADzMzMAMDA/wB/f38AAAAAAAAAAAAAAAAAAAAAAAAAAAAhAAAAGAAAABQAAABQKAAAGycAAHA1AABZKQAAEAAAACYAAAAIAAAAAAAAAAAAAAA="/>
               </a:ext>
             </a:extLst>
           </p:cNvSpPr>
@@ -1178,7 +1179,7 @@
           <a:lstStyle/>
           <a:p>
             <a:pPr/>
-            <a:fld id="{21E7A73F-71CC-B251-825F-8704E91174D2}" type="slidenum">
+            <a:fld id="{1CA1E1CB-85F1-F417-BF19-7342AF574926}" type="slidenum">
               <a:t/>
             </a:fld>
           </a:p>
@@ -1216,7 +1217,7 @@
             <a:spLocks noGrp="1" noChangeArrowheads="1"/>
             <a:extLst>
               <a:ext uri="smNativeData">
-                <pr:smNativeData xmlns:pr="smNativeData" val="SMDATA_13_cFGrYxMAAAAlAAAAZAAAAA8BAAAAkAAAAEgAAACQAAAASAAAAAAAAAABAAAAAAAAAAEAAABQAAAAAAAAAAAA4D8AAAAAAADgPwAAAAAAAOA/AAAAAAAA4D8AAAAAAADgPwAAAAAAAOA/AAAAAAAA4D8AAAAAAADgPwAAAAAAAOA/AAAAAAAA4D8CAAAAjAAAAAAAAAAAAAAAu+DjDP///wgAAAAAAAAAAAAAAAAAAAAAAAAAAAAAAAAAAAAAZAAAAAEAAABAAAAAAAAAAAAAAAAAAAAAAAAAAAAAAAAAAAAAAAAAAAAAAAAAAAAAAAAAAAAAAAAAAAAAAAAAAAAAAAAAAAAAAAAAAAAAAAAAAAAAAAAAAAAAAAAAAAAAFAAAADwAAAAAAAAAAAAAAAAAAAkUAAAAAQAAABQAAAAUAAAAFAAAAAEAAAAAAAAAZAAAAGQAAAAAAAAAZAAAAGQAAAAVAAAAYAAAAAAAAAAAAAAADwAAACADAAAAAAAAAAAAAAEAAACgMgAAVgcAAKr4//8BAAAAf39/AAEAAABkAAAAAAAAABQAAABAHwAAAAAAACYAAAAAAAAAwOD//wAAAAAmAAAAZAAAABYAAABMAAAAAAAAAAAAAAAEAAAAAAAAAAEAAACAgIAKAAAAACgAAAAoAAAAZAAAAGQAAAAAAAAAzMzMAAAAAABQAAAAUAAAAGQAAABkAAAAAAAAABcAAAAUAAAAAAAAAAAAAAD/fwAA/38AAAAAAAAJAAAABAAAAAMAhj4MAAAAEAAAAAAAAAAAAAAAAAAAAAAAAAAeAAAAaAAAAAAAAAAAAAAAAAAAAAAAAAAAAAAAECcAABAnAAAAAAAAAAAAAAAAAAAAAAAAAAAAAAAAAAAAAAAAAAAAABQAAAAAAAAAwMD/AAAAAABkAAAAMgAAAAAAAABkAAAAAAAAAH9/fwAKAAAAHwAAAFQAAAAAAAAFAAAAAQAAAAAAAAAAAAAAAAAAAAAAAAAAAAAAAAAAAAAAAAAAAAAAAn9/fwAAAAADzMzMAMDA/wB/f38AAAAAAAAAAAAAAAAAAAAAAAAAAAAhAAAAGAAAABQAAADQAgAAsAEAAHA1AAC4CAAAEAAAACYAAAAIAAAAAAAAAAAAAAA="/>
+                <pr:smNativeData xmlns:pr="smNativeData" val="SMDATA_13_B6msYxMAAAAlAAAAZAAAAA8BAAAAkAAAAEgAAACQAAAASAAAAAAAAAABAAAAAAAAAAEAAABQAAAAAAAAAAAA4D8AAAAAAADgPwAAAAAAAOA/AAAAAAAA4D8AAAAAAADgPwAAAAAAAOA/AAAAAAAA4D8AAAAAAADgPwAAAAAAAOA/AAAAAAAA4D8CAAAAjAAAAAAAAAAAAAAAu+DjDP///wgAAAAAAAAAAAAAAAAAAAAAAAAAAAAAAAAAAAAAZAAAAAEAAABAAAAAAAAAAAAAAAAAAAAAAAAAAAAAAAAAAAAAAAAAAAAAAAAAAAAAAAAAAAAAAAAAAAAAAAAAAAAAAAAAAAAAAAAAAAAAAAAAAAAAAAAAAAAAAAAAAAAAFAAAADwAAAAAAAAAAAAAAAAAAAkUAAAAAQAAABQAAAAUAAAAFAAAAAEAAAAAAAAAZAAAAGQAAAAAAAAAZAAAAGQAAAAVAAAAYAAAAAAAAAAAAAAADwAAACADAAAAAAAAAAAAAAEAAACgMgAAVgcAAKr4//8BAAAAf39/AAEAAABkAAAAAAAAABQAAABAHwAAAAAAACYAAAAAAAAAwOD//wAAAAAmAAAAZAAAABYAAABMAAAAAAAAAAAAAAAEAAAAAAAAAAEAAACAgIAKAAAAACgAAAAoAAAAZAAAAGQAAAAAAAAAzMzMAAAAAABQAAAAUAAAAGQAAABkAAAAAAAAABcAAAAUAAAAAAAAAAAAAAD/fwAA/38AAAAAAAAJAAAABAAAAAMAhj4MAAAAEAAAAAAAAAAAAAAAAAAAAAAAAAAeAAAAaAAAAAAAAAAAAAAAAAAAAAAAAAAAAAAAECcAABAnAAAAAAAAAAAAAAAAAAAAAAAAAAAAAAAAAAAAAAAAAAAAABQAAAAAAAAAwMD/AAAAAABkAAAAMgAAAAAAAABkAAAAAAAAAH9/fwAKAAAAHwAAAFQAAAAAAAAFAAAAAQAAAAAAAAAAAAAAAAAAAAAAAAAAAAAAAAAAAAAAAAAAAAAAAn9/fwAAAAADzMzMAMDA/wB/f38AAAAAAAAAAAAAAAAAAAAAAAAAAAAhAAAAGAAAABQAAADQAgAAsAEAAHA1AAC4CAAAEAAAACYAAAAIAAAAAAAAAAAAAAA="/>
               </a:ext>
             </a:extLst>
           </p:cNvSpPr>
@@ -1243,7 +1244,7 @@
             <a:spLocks noGrp="1" noChangeArrowheads="1"/>
             <a:extLst>
               <a:ext uri="smNativeData">
-                <pr:smNativeData xmlns:pr="smNativeData" val="SMDATA_13_cFGrYxMAAAAlAAAAZAAAAA8BAAAAkAAAAEgAAACQAAAASAAAAAAAAAAAAAAAAAAAAAEAAABQAAAAAAAAAAAA4D8AAAAAAADgPwAAAAAAAOA/AAAAAAAA4D8AAAAAAADgPwAAAAAAAOA/AAAAAAAA4D8AAAAAAADgPwAAAAAAAOA/AAAAAAAA4D8CAAAAjAAAAAAAAAAAAAAAu+DjDP///wgAAAAAAAAAAAAAAAAAAAAAAAAAAAAAAAAAAAAAZAAAAAEAAABAAAAAAAAAAAAAAAAAAAAAAAAAAAAAAAAAAAAAAAAAAAAAAAAAAAAAAAAAAAAAAAAAAAAAAAAAAAAAAAAAAAAAAAAAAAAAAAAAAAAAAAAAAAAAAAAAAAAAFAAAADwAAAAAAAAAAAAAAAAAAAkUAAAAAQAAABQAAAAUAAAAFAAAAAEAAAAAAAAAZAAAAGQAAAAAAAAAZAAAAGQAAAAVAAAAYAAAAAAAAAAAAAAADwAAACADAAAAAAAAAAAAAAEAAACgMgAAVgcAAKr4//8BAAAAf39/AAEAAABkAAAAAAAAABQAAABAHwAAAAAAACYAAAAAAAAAwOD//wAAAAAmAAAAZAAAABYAAABMAAAAAAAAAAAAAAAEAAAAAAAAAAEAAACAgIAKAAAAACgAAAAoAAAAZAAAAGQAAAAAAAAAzMzMAAAAAABQAAAAUAAAAGQAAABkAAAAAAAAABcAAAAUAAAAAAAAAAAAAAD/fwAA/38AAAAAAAAJAAAABAAAAJJH8tUMAAAAEAAAAAAAAAAAAAAAAAAAAAAAAAAeAAAAaAAAAAAAAAAAAAAAAAAAAAAAAAAAAAAAECcAABAnAAAAAAAAAAAAAAAAAAAAAAAAAAAAAAAAAAAAAAAAAAAAABQAAAAAAAAAwMD/AAAAAABkAAAAMgAAAAAAAABkAAAAAAAAAH9/fwAKAAAAHwAAAFQAAAAAAAAFAAAAAQAAAAAAAAAAAAAAAAAAAAAAAAAAAAAAAAAAAAAAAAAAAAAAAn9/fwAAAAADzMzMAMDA/wB/f38AAAAAAAAAAAAAAAAAAAAAAAAAAAAhAAAAGAAAABQAAADQAgAA2AkAAKgbAACwJQAAEAAAACYAAAAIAAAAAYAAAAAAAAA="/>
+                <pr:smNativeData xmlns:pr="smNativeData" val="SMDATA_13_B6msYxMAAAAlAAAAZAAAAA8BAAAAkAAAAEgAAACQAAAASAAAAAAAAAAAAAAAAAAAAAEAAABQAAAAAAAAAAAA4D8AAAAAAADgPwAAAAAAAOA/AAAAAAAA4D8AAAAAAADgPwAAAAAAAOA/AAAAAAAA4D8AAAAAAADgPwAAAAAAAOA/AAAAAAAA4D8CAAAAjAAAAAAAAAAAAAAAu+DjDP///wgAAAAAAAAAAAAAAAAAAAAAAAAAAAAAAAAAAAAAZAAAAAEAAABAAAAAAAAAAAAAAAAAAAAAAAAAAAAAAAAAAAAAAAAAAAAAAAAAAAAAAAAAAAAAAAAAAAAAAAAAAAAAAAAAAAAAAAAAAAAAAAAAAAAAAAAAAAAAAAAAAAAAFAAAADwAAAAAAAAAAAAAAAAAAAkUAAAAAQAAABQAAAAUAAAAFAAAAAEAAAAAAAAAZAAAAGQAAAAAAAAAZAAAAGQAAAAVAAAAYAAAAAAAAAAAAAAADwAAACADAAAAAAAAAAAAAAEAAACgMgAAVgcAAKr4//8BAAAAf39/AAEAAABkAAAAAAAAABQAAABAHwAAAAAAACYAAAAAAAAAwOD//wAAAAAmAAAAZAAAABYAAABMAAAAAAAAAAAAAAAEAAAAAAAAAAEAAACAgIAKAAAAACgAAAAoAAAAZAAAAGQAAAAAAAAAzMzMAAAAAABQAAAAUAAAAGQAAABkAAAAAAAAABcAAAAUAAAAAAAAAAAAAAD/fwAA/38AAAAAAAAJAAAABAAAAJJH8tUMAAAAEAAAAAAAAAAAAAAAAAAAAAAAAAAeAAAAaAAAAAAAAAAAAAAAAAAAAAAAAAAAAAAAECcAABAnAAAAAAAAAAAAAAAAAAAAAAAAAAAAAAAAAAAAAAAAAAAAABQAAAAAAAAAwMD/AAAAAABkAAAAMgAAAAAAAABkAAAAAAAAAH9/fwAKAAAAHwAAAFQAAAAAAAAFAAAAAQAAAAAAAAAAAAAAAAAAAAAAAAAAAAAAAAAAAAAAAAAAAAAAAn9/fwAAAAADzMzMAMDA/wB/f38AAAAAAAAAAAAAAAAAAAAAAAAAAAAhAAAAGAAAABQAAADQAgAA2AkAAKgbAACwJQAAEAAAACYAAAAIAAAAAYAAAAAAAAA="/>
               </a:ext>
             </a:extLst>
           </p:cNvSpPr>
@@ -1327,7 +1328,7 @@
             <a:spLocks noGrp="1" noChangeArrowheads="1"/>
             <a:extLst>
               <a:ext uri="smNativeData">
-                <pr:smNativeData xmlns:pr="smNativeData" val="SMDATA_13_cFGrYxMAAAAlAAAAZAAAAA8BAAAAkAAAAEgAAACQAAAASAAAAAAAAAAAAAAAAAAAAAEAAABQAAAAAAAAAAAA4D8AAAAAAADgPwAAAAAAAOA/AAAAAAAA4D8AAAAAAADgPwAAAAAAAOA/AAAAAAAA4D8AAAAAAADgPwAAAAAAAOA/AAAAAAAA4D8CAAAAjAAAAAAAAAAAAAAAu+DjDP///wgAAAAAAAAAAAAAAAAAAAAAAAAAAAAAAAAAAAAAZAAAAAEAAABAAAAAAAAAAAAAAAAAAAAAAAAAAAAAAAAAAAAAAAAAAAAAAAAAAAAAAAAAAAAAAAAAAAAAAAAAAAAAAAAAAAAAAAAAAAAAAAAAAAAAAAAAAAAAAAAAAAAAFAAAADwAAAAAAAAAAAAAAAAAAAkUAAAAAQAAABQAAAAUAAAAFAAAAAEAAAAAAAAAZAAAAGQAAAAAAAAAZAAAAGQAAAAVAAAAYAAAAAAAAAAAAAAADwAAACADAAAAAAAAAAAAAAEAAACgMgAAVgcAAKr4//8BAAAAf39/AAEAAABkAAAAAAAAABQAAABAHwAAAAAAACYAAAAAAAAAwOD//wAAAAAmAAAAZAAAABYAAABMAAAAAAAAAAAAAAAEAAAAAAAAAAEAAACAgIAKAAAAACgAAAAoAAAAZAAAAGQAAAAAAAAAzMzMAAAAAABQAAAAUAAAAGQAAABkAAAAAAAAABcAAAAUAAAAAAAAAAAAAAD/fwAA/38AAAAAAAAJAAAABAAAAO8vAwAMAAAAEAAAAAAAAAAAAAAAAAAAAAAAAAAeAAAAaAAAAAAAAAAAAAAAAAAAAAAAAAAAAAAAECcAABAnAAAAAAAAAAAAAAAAAAAAAAAAAAAAAAAAAAAAAAAAAAAAABQAAAAAAAAAwMD/AAAAAABkAAAAMgAAAAAAAABkAAAAAAAAAH9/fwAKAAAAHwAAAFQAAAAAAAAFAAAAAQAAAAAAAAAAAAAAAAAAAAAAAAAAAAAAAAAAAAAAAAAAAAAAAn9/fwAAAAADzMzMAMDA/wB/f38AAAAAAAAAAAAAAAAAAAAAAAAAAAAhAAAAGAAAABQAAACYHAAA2AkAAHA1AACwJQAAEAAAACYAAAAIAAAAAYAAAAAAAAA="/>
+                <pr:smNativeData xmlns:pr="smNativeData" val="SMDATA_13_B6msYxMAAAAlAAAAZAAAAA8BAAAAkAAAAEgAAACQAAAASAAAAAAAAAAAAAAAAAAAAAEAAABQAAAAAAAAAAAA4D8AAAAAAADgPwAAAAAAAOA/AAAAAAAA4D8AAAAAAADgPwAAAAAAAOA/AAAAAAAA4D8AAAAAAADgPwAAAAAAAOA/AAAAAAAA4D8CAAAAjAAAAAAAAAAAAAAAu+DjDP///wgAAAAAAAAAAAAAAAAAAAAAAAAAAAAAAAAAAAAAZAAAAAEAAABAAAAAAAAAAAAAAAAAAAAAAAAAAAAAAAAAAAAAAAAAAAAAAAAAAAAAAAAAAAAAAAAAAAAAAAAAAAAAAAAAAAAAAAAAAAAAAAAAAAAAAAAAAAAAAAAAAAAAFAAAADwAAAAAAAAAAAAAAAAAAAkUAAAAAQAAABQAAAAUAAAAFAAAAAEAAAAAAAAAZAAAAGQAAAAAAAAAZAAAAGQAAAAVAAAAYAAAAAAAAAAAAAAADwAAACADAAAAAAAAAAAAAAEAAACgMgAAVgcAAKr4//8BAAAAf39/AAEAAABkAAAAAAAAABQAAABAHwAAAAAAACYAAAAAAAAAwOD//wAAAAAmAAAAZAAAABYAAABMAAAAAAAAAAAAAAAEAAAAAAAAAAEAAACAgIAKAAAAACgAAAAoAAAAZAAAAGQAAAAAAAAAzMzMAAAAAABQAAAAUAAAAGQAAABkAAAAAAAAABcAAAAUAAAAAAAAAAAAAAD/fwAA/38AAAAAAAAJAAAABAAAAO8vAwAMAAAAEAAAAAAAAAAAAAAAAAAAAAAAAAAeAAAAaAAAAAAAAAAAAAAAAAAAAAAAAAAAAAAAECcAABAnAAAAAAAAAAAAAAAAAAAAAAAAAAAAAAAAAAAAAAAAAAAAABQAAAAAAAAAwMD/AAAAAABkAAAAMgAAAAAAAABkAAAAAAAAAH9/fwAKAAAAHwAAAFQAAAAAAAAFAAAAAQAAAAAAAAAAAAAAAAAAAAAAAAAAAAAAAAAAAAAAAAAAAAAAAn9/fwAAAAADzMzMAMDA/wB/f38AAAAAAAAAAAAAAAAAAAAAAAAAAAAhAAAAGAAAABQAAACYHAAA2AkAAHA1AACwJQAAEAAAACYAAAAIAAAAAYAAAAAAAAA="/>
               </a:ext>
             </a:extLst>
           </p:cNvSpPr>
@@ -1411,7 +1412,7 @@
             <a:spLocks noGrp="1" noChangeArrowheads="1"/>
             <a:extLst>
               <a:ext uri="smNativeData">
-                <pr:smNativeData xmlns:pr="smNativeData" val="SMDATA_13_cFGrYxMAAAAlAAAAZAAAAA8BAAAAkAAAAEgAAACQAAAASAAAAAAAAAABAAAAAAAAAAEAAABQAAAAAAAAAAAA4D8AAAAAAADgPwAAAAAAAOA/AAAAAAAA4D8AAAAAAADgPwAAAAAAAOA/AAAAAAAA4D8AAAAAAADgPwAAAAAAAOA/AAAAAAAA4D8CAAAAjAAAAAAAAAAAAAAAu+DjDP///wgAAAAAAAAAAAAAAAAAAAAAAAAAAAAAAAAAAAAAZAAAAAEAAABAAAAAAAAAAAAAAAAAAAAAAAAAAAAAAAAAAAAAAAAAAAAAAAAAAAAAAAAAAAAAAAAAAAAAAAAAAAAAAAAAAAAAAAAAAAAAAAAAAAAAAAAAAAAAAAAAAAAAFAAAADwAAAAAAAAAAAAAAAAAAAkUAAAAAQAAABQAAAAUAAAAFAAAAAEAAAAAAAAAZAAAAGQAAAAAAAAAZAAAAGQAAAAVAAAAYAAAAAAAAAAAAAAADwAAACADAAAAAAAAAAAAAAEAAACgMgAAVgcAAKr4//8BAAAAf39/AAEAAABkAAAAAAAAABQAAABAHwAAAAAAACYAAAAAAAAAwOD//wAAAAAmAAAAZAAAABYAAABMAAAAAAAAAAAAAAAEAAAAAAAAAAEAAACAgIAKAAAAACgAAAAoAAAAZAAAAGQAAAAAAAAAzMzMAAAAAABQAAAAUAAAAGQAAABkAAAAAAAAABcAAAAUAAAAAAAAAAAAAAD/fwAA/38AAAAAAAAJAAAABAAAAAMAf0oMAAAAEAAAAAAAAAAAAAAAAAAAAAAAAAAeAAAAaAAAAAAAAAAAAAAAAAAAAAAAAAAAAAAAECcAABAnAAAAAAAAAAAAAAAAAAAAAAAAAAAAAAAAAAAAAAAAAAAAABQAAAAAAAAAwMD/AAAAAABkAAAAMgAAAAAAAABkAAAAAAAAAH9/fwAKAAAAHwAAAFQAAAAAAAAFAAAAAQAAAAAAAAAAAAAAAAAAAAAAAAAAAAAAAAAAAAAAAAAAAAAAAn9/fwAAAAADzMzMAMDA/wB/f38AAAAAAAAAAAAAAAAAAAAAAAAAAAAhAAAAGAAAABQAAADQAgAAGycAAPAPAABZKQAAEAAAACYAAAAIAAAAAAAAAAAAAAA="/>
+                <pr:smNativeData xmlns:pr="smNativeData" val="SMDATA_13_B6msYxMAAAAlAAAAZAAAAA8BAAAAkAAAAEgAAACQAAAASAAAAAAAAAABAAAAAAAAAAEAAABQAAAAAAAAAAAA4D8AAAAAAADgPwAAAAAAAOA/AAAAAAAA4D8AAAAAAADgPwAAAAAAAOA/AAAAAAAA4D8AAAAAAADgPwAAAAAAAOA/AAAAAAAA4D8CAAAAjAAAAAAAAAAAAAAAu+DjDP///wgAAAAAAAAAAAAAAAAAAAAAAAAAAAAAAAAAAAAAZAAAAAEAAABAAAAAAAAAAAAAAAAAAAAAAAAAAAAAAAAAAAAAAAAAAAAAAAAAAAAAAAAAAAAAAAAAAAAAAAAAAAAAAAAAAAAAAAAAAAAAAAAAAAAAAAAAAAAAAAAAAAAAFAAAADwAAAAAAAAAAAAAAAAAAAkUAAAAAQAAABQAAAAUAAAAFAAAAAEAAAAAAAAAZAAAAGQAAAAAAAAAZAAAAGQAAAAVAAAAYAAAAAAAAAAAAAAADwAAACADAAAAAAAAAAAAAAEAAACgMgAAVgcAAKr4//8BAAAAf39/AAEAAABkAAAAAAAAABQAAABAHwAAAAAAACYAAAAAAAAAwOD//wAAAAAmAAAAZAAAABYAAABMAAAAAAAAAAAAAAAEAAAAAAAAAAEAAACAgIAKAAAAACgAAAAoAAAAZAAAAGQAAAAAAAAAzMzMAAAAAABQAAAAUAAAAGQAAABkAAAAAAAAABcAAAAUAAAAAAAAAAAAAAD/fwAA/38AAAAAAAAJAAAABAAAAAMAf0oMAAAAEAAAAAAAAAAAAAAAAAAAAAAAAAAeAAAAaAAAAAAAAAAAAAAAAAAAAAAAAAAAAAAAECcAABAnAAAAAAAAAAAAAAAAAAAAAAAAAAAAAAAAAAAAAAAAAAAAABQAAAAAAAAAwMD/AAAAAABkAAAAMgAAAAAAAABkAAAAAAAAAH9/fwAKAAAAHwAAAFQAAAAAAAAFAAAAAQAAAAAAAAAAAAAAAAAAAAAAAAAAAAAAAAAAAAAAAAAAAAAAAn9/fwAAAAADzMzMAMDA/wB/f38AAAAAAAAAAAAAAAAAAAAAAAAAAAAhAAAAGAAAABQAAADQAgAAGycAAPAPAABZKQAAEAAAACYAAAAIAAAAAAAAAAAAAAA="/>
               </a:ext>
             </a:extLst>
           </p:cNvSpPr>
@@ -1425,7 +1426,7 @@
           <a:lstStyle/>
           <a:p>
             <a:pPr/>
-            <a:fld id="{21E7E362-2CCC-B215-825F-DA40AD11748F}" type="datetime1">
+            <a:fld id="{1CA1BE03-4DF1-F448-BF19-BB1DF05749EE}" type="datetime1">
               <a:t/>
             </a:fld>
           </a:p>
@@ -1438,7 +1439,7 @@
             <a:spLocks noGrp="1" noChangeArrowheads="1"/>
             <a:extLst>
               <a:ext uri="smNativeData">
-                <pr:smNativeData xmlns:pr="smNativeData" val="SMDATA_13_cFGrYxMAAAAlAAAAZAAAAA8BAAAAkAAAAEgAAACQAAAASAAAAAAAAAABAAAAAAAAAAEAAABQAAAAAAAAAAAA4D8AAAAAAADgPwAAAAAAAOA/AAAAAAAA4D8AAAAAAADgPwAAAAAAAOA/AAAAAAAA4D8AAAAAAADgPwAAAAAAAOA/AAAAAAAA4D8CAAAAjAAAAAAAAAAAAAAAu+DjDP///wgAAAAAAAAAAAAAAAAAAAAAAAAAAAAAAAAAAAAAZAAAAAEAAABAAAAAAAAAAAAAAAAAAAAAAAAAAAAAAAAAAAAAAAAAAAAAAAAAAAAAAAAAAAAAAAAAAAAAAAAAAAAAAAAAAAAAAAAAAAAAAAAAAAAAAAAAAAAAAAAAAAAAFAAAADwAAAAAAAAAAAAAAAAAAAkUAAAAAQAAABQAAAAUAAAAFAAAAAEAAAAAAAAAZAAAAGQAAAAAAAAAZAAAAGQAAAAVAAAAYAAAAAAAAAAAAAAADwAAACADAAAAAAAAAAAAAAEAAACgMgAAVgcAAKr4//8BAAAAf39/AAEAAABkAAAAAAAAABQAAABAHwAAAAAAACYAAAAAAAAAwOD//wAAAAAmAAAAZAAAABYAAABMAAAAAAAAAAAAAAAEAAAAAAAAAAEAAACAgIAKAAAAACgAAAAoAAAAZAAAAGQAAAAAAAAAzMzMAAAAAABQAAAAUAAAAGQAAABkAAAAAAAAABcAAAAUAAAAAAAAAAAAAAD/fwAA/38AAAAAAAAJAAAABAAAABMRBAAMAAAAEAAAAAAAAAAAAAAAAAAAAAAAAAAeAAAAaAAAAAAAAAAAAAAAAAAAAAAAAAAAAAAAECcAABAnAAAAAAAAAAAAAAAAAAAAAAAAAAAAAAAAAAAAAAAAAAAAABQAAAAAAAAAwMD/AAAAAABkAAAAMgAAAAAAAABkAAAAAAAAAH9/fwAKAAAAHwAAAFQAAAAAAAAFAAAAAQAAAAAAAAAAAAAAAAAAAAAAAAAAAAAAAAAAAAAAAAAAAAAAAn9/fwAAAAADzMzMAMDA/wB/f38AAAAAAAAAAAAAAAAAAAAAAAAAAAAhAAAAGAAAABQAAAA4EwAAGycAAAglAABZKQAAEAAAACYAAAAIAAAAAAAAAAAAAAA="/>
+                <pr:smNativeData xmlns:pr="smNativeData" val="SMDATA_13_B6msYxMAAAAlAAAAZAAAAA8BAAAAkAAAAEgAAACQAAAASAAAAAAAAAABAAAAAAAAAAEAAABQAAAAAAAAAAAA4D8AAAAAAADgPwAAAAAAAOA/AAAAAAAA4D8AAAAAAADgPwAAAAAAAOA/AAAAAAAA4D8AAAAAAADgPwAAAAAAAOA/AAAAAAAA4D8CAAAAjAAAAAAAAAAAAAAAu+DjDP///wgAAAAAAAAAAAAAAAAAAAAAAAAAAAAAAAAAAAAAZAAAAAEAAABAAAAAAAAAAAAAAAAAAAAAAAAAAAAAAAAAAAAAAAAAAAAAAAAAAAAAAAAAAAAAAAAAAAAAAAAAAAAAAAAAAAAAAAAAAAAAAAAAAAAAAAAAAAAAAAAAAAAAFAAAADwAAAAAAAAAAAAAAAAAAAkUAAAAAQAAABQAAAAUAAAAFAAAAAEAAAAAAAAAZAAAAGQAAAAAAAAAZAAAAGQAAAAVAAAAYAAAAAAAAAAAAAAADwAAACADAAAAAAAAAAAAAAEAAACgMgAAVgcAAKr4//8BAAAAf39/AAEAAABkAAAAAAAAABQAAABAHwAAAAAAACYAAAAAAAAAwOD//wAAAAAmAAAAZAAAABYAAABMAAAAAAAAAAAAAAAEAAAAAAAAAAEAAACAgIAKAAAAACgAAAAoAAAAZAAAAGQAAAAAAAAAzMzMAAAAAABQAAAAUAAAAGQAAABkAAAAAAAAABcAAAAUAAAAAAAAAAAAAAD/fwAA/38AAAAAAAAJAAAABAAAABMRBAAMAAAAEAAAAAAAAAAAAAAAAAAAAAAAAAAeAAAAaAAAAAAAAAAAAAAAAAAAAAAAAAAAAAAAECcAABAnAAAAAAAAAAAAAAAAAAAAAAAAAAAAAAAAAAAAAAAAAAAAABQAAAAAAAAAwMD/AAAAAABkAAAAMgAAAAAAAABkAAAAAAAAAH9/fwAKAAAAHwAAAFQAAAAAAAAFAAAAAQAAAAAAAAAAAAAAAAAAAAAAAAAAAAAAAAAAAAAAAAAAAAAAAn9/fwAAAAADzMzMAMDA/wB/f38AAAAAAAAAAAAAAAAAAAAAAAAAAAAhAAAAGAAAABQAAAA4EwAAGycAAAglAABZKQAAEAAAACYAAAAIAAAAAAAAAAAAAAA="/>
               </a:ext>
             </a:extLst>
           </p:cNvSpPr>
@@ -1462,7 +1463,7 @@
             <a:spLocks noGrp="1" noChangeArrowheads="1"/>
             <a:extLst>
               <a:ext uri="smNativeData">
-                <pr:smNativeData xmlns:pr="smNativeData" val="SMDATA_13_cFGrYxMAAAAlAAAAZAAAAA8BAAAAkAAAAEgAAACQAAAASAAAAAAAAAABAAAAAAAAAAEAAABQAAAAAAAAAAAA4D8AAAAAAADgPwAAAAAAAOA/AAAAAAAA4D8AAAAAAADgPwAAAAAAAOA/AAAAAAAA4D8AAAAAAADgPwAAAAAAAOA/AAAAAAAA4D8CAAAAjAAAAAAAAAAAAAAAu+DjDP///wgAAAAAAAAAAAAAAAAAAAAAAAAAAAAAAAAAAAAAZAAAAAEAAABAAAAAAAAAAAAAAAAAAAAAAAAAAAAAAAAAAAAAAAAAAAAAAAAAAAAAAAAAAAAAAAAAAAAAAAAAAAAAAAAAAAAAAAAAAAAAAAAAAAAAAAAAAAAAAAAAAAAAFAAAADwAAAAAAAAAAAAAAAAAAAkUAAAAAQAAABQAAAAUAAAAFAAAAAEAAAAAAAAAZAAAAGQAAAAAAAAAZAAAAGQAAAAVAAAAYAAAAAAAAAAAAAAADwAAACADAAAAAAAAAAAAAAEAAACgMgAAVgcAAKr4//8BAAAAf39/AAEAAABkAAAAAAAAABQAAABAHwAAAAAAACYAAAAAAAAAwOD//wAAAAAmAAAAZAAAABYAAABMAAAAAAAAAAAAAAAEAAAAAAAAAAEAAACAgIAKAAAAACgAAAAoAAAAZAAAAGQAAAAAAAAAzMzMAAAAAABQAAAAUAAAAGQAAABkAAAAAAAAABcAAAAUAAAAAAAAAAAAAAD/fwAA/38AAAAAAAAJAAAABAAAAL5dAwAMAAAAEAAAAAAAAAAAAAAAAAAAAAAAAAAeAAAAaAAAAAAAAAAAAAAAAAAAAAAAAAAAAAAAECcAABAnAAAAAAAAAAAAAAAAAAAAAAAAAAAAAAAAAAAAAAAAAAAAABQAAAAAAAAAwMD/AAAAAABkAAAAMgAAAAAAAABkAAAAAAAAAH9/fwAKAAAAHwAAAFQAAAAAAAAFAAAAAQAAAAAAAAAAAAAAAAAAAAAAAAAAAAAAAAAAAAAAAAAAAAAAAn9/fwAAAAADzMzMAMDA/wB/f38AAAAAAAAAAAAAAAAAAAAAAAAAAAAhAAAAGAAAABQAAABQKAAAGycAAHA1AABZKQAAEAAAACYAAAAIAAAAAAAAAAAAAAA="/>
+                <pr:smNativeData xmlns:pr="smNativeData" val="SMDATA_13_B6msYxMAAAAlAAAAZAAAAA8BAAAAkAAAAEgAAACQAAAASAAAAAAAAAABAAAAAAAAAAEAAABQAAAAAAAAAAAA4D8AAAAAAADgPwAAAAAAAOA/AAAAAAAA4D8AAAAAAADgPwAAAAAAAOA/AAAAAAAA4D8AAAAAAADgPwAAAAAAAOA/AAAAAAAA4D8CAAAAjAAAAAAAAAAAAAAAu+DjDP///wgAAAAAAAAAAAAAAAAAAAAAAAAAAAAAAAAAAAAAZAAAAAEAAABAAAAAAAAAAAAAAAAAAAAAAAAAAAAAAAAAAAAAAAAAAAAAAAAAAAAAAAAAAAAAAAAAAAAAAAAAAAAAAAAAAAAAAAAAAAAAAAAAAAAAAAAAAAAAAAAAAAAAFAAAADwAAAAAAAAAAAAAAAAAAAkUAAAAAQAAABQAAAAUAAAAFAAAAAEAAAAAAAAAZAAAAGQAAAAAAAAAZAAAAGQAAAAVAAAAYAAAAAAAAAAAAAAADwAAACADAAAAAAAAAAAAAAEAAACgMgAAVgcAAKr4//8BAAAAf39/AAEAAABkAAAAAAAAABQAAABAHwAAAAAAACYAAAAAAAAAwOD//wAAAAAmAAAAZAAAABYAAABMAAAAAAAAAAAAAAAEAAAAAAAAAAEAAACAgIAKAAAAACgAAAAoAAAAZAAAAGQAAAAAAAAAzMzMAAAAAABQAAAAUAAAAGQAAABkAAAAAAAAABcAAAAUAAAAAAAAAAAAAAD/fwAA/38AAAAAAAAJAAAABAAAAL5dAwAMAAAAEAAAAAAAAAAAAAAAAAAAAAAAAAAeAAAAaAAAAAAAAAAAAAAAAAAAAAAAAAAAAAAAECcAABAnAAAAAAAAAAAAAAAAAAAAAAAAAAAAAAAAAAAAAAAAAAAAABQAAAAAAAAAwMD/AAAAAABkAAAAMgAAAAAAAABkAAAAAAAAAH9/fwAKAAAAHwAAAFQAAAAAAAAFAAAAAQAAAAAAAAAAAAAAAAAAAAAAAAAAAAAAAAAAAAAAAAAAAAAAAn9/fwAAAAADzMzMAMDA/wB/f38AAAAAAAAAAAAAAAAAAAAAAAAAAAAhAAAAGAAAABQAAABQKAAAGycAAHA1AABZKQAAEAAAACYAAAAIAAAAAAAAAAAAAAA="/>
               </a:ext>
             </a:extLst>
           </p:cNvSpPr>
@@ -1476,7 +1477,7 @@
           <a:lstStyle/>
           <a:p>
             <a:pPr/>
-            <a:fld id="{21E7FBFB-B5CC-B20D-825F-4358B5117416}" type="slidenum">
+            <a:fld id="{1CA1A304-4AF1-F455-BF19-BC00ED5749E9}" type="slidenum">
               <a:t/>
             </a:fld>
           </a:p>
@@ -1514,7 +1515,7 @@
             <a:spLocks noGrp="1" noChangeArrowheads="1"/>
             <a:extLst>
               <a:ext uri="smNativeData">
-                <pr:smNativeData xmlns:pr="smNativeData" val="SMDATA_13_cFGrYxMAAAAlAAAAZAAAAA8BAAAAkAAAAEgAAACQAAAASAAAAAAAAAABAAAAAAAAAAEAAABQAAAAAAAAAAAA4D8AAAAAAADgPwAAAAAAAOA/AAAAAAAA4D8AAAAAAADgPwAAAAAAAOA/AAAAAAAA4D8AAAAAAADgPwAAAAAAAOA/AAAAAAAA4D8CAAAAjAAAAAAAAAAAAAAAu+DjDP///wgAAAAAAAAAAAAAAAAAAAAAAAAAAAAAAAAAAAAAZAAAAAEAAABAAAAAAAAAAAAAAAAAAAAAAAAAAAAAAAAAAAAAAAAAAAAAAAAAAAAAAAAAAAAAAAAAAAAAAAAAAAAAAAAAAAAAAAAAAAAAAAAAAAAAAAAAAAAAAAAAAAAAFAAAADwAAAAAAAAAAAAAAAAAAAkUAAAAAQAAABQAAAAUAAAAFAAAAAEAAAAAAAAAZAAAAGQAAAAAAAAAZAAAAGQAAAAVAAAAYAAAAAAAAAAAAAAADwAAACADAAAAAAAAAAAAAAEAAACgMgAAVgcAAKr4//8BAAAAf39/AAEAAABkAAAAAAAAABQAAABAHwAAAAAAACYAAAAAAAAAwOD//wAAAAAmAAAAZAAAABYAAABMAAAAAAAAAAAAAAAEAAAAAAAAAAEAAACAgIAKAAAAACgAAAAoAAAAZAAAAGQAAAAAAAAAzMzMAAAAAABQAAAAUAAAAGQAAABkAAAAAAAAABcAAAAUAAAAAAAAAAAAAAD/fwAA/38AAAAAAAAJAAAABAAAAAQAxWgMAAAAEAAAAAAAAAAAAAAAAAAAAAAAAAAeAAAAaAAAAAAAAAAAAAAAAAAAAAAAAAAAAAAAECcAABAnAAAAAAAAAAAAAAAAAAAAAAAAAAAAAAAAAAAAAAAAAAAAABQAAAAAAAAAwMD/AAAAAABkAAAAMgAAAAAAAABkAAAAAAAAAH9/fwAKAAAAHwAAAFQAAAAAAAAFAAAAAQAAAAAAAAAAAAAAAAAAAAAAAAAAAAAAAAAAAAAAAAAAAAAAAn9/fwAAAAADzMzMAMDA/wB/f38AAAAAAAAAAAAAAAAAAAAAAAAAAAAhAAAAGAAAABQAAADQAgAAsAEAAHA1AAC4CAAAEAAAACYAAAAIAAAAAAAAAAAAAAA="/>
+                <pr:smNativeData xmlns:pr="smNativeData" val="SMDATA_13_B6msYxMAAAAlAAAAZAAAAA8BAAAAkAAAAEgAAACQAAAASAAAAAAAAAABAAAAAAAAAAEAAABQAAAAAAAAAAAA4D8AAAAAAADgPwAAAAAAAOA/AAAAAAAA4D8AAAAAAADgPwAAAAAAAOA/AAAAAAAA4D8AAAAAAADgPwAAAAAAAOA/AAAAAAAA4D8CAAAAjAAAAAAAAAAAAAAAu+DjDP///wgAAAAAAAAAAAAAAAAAAAAAAAAAAAAAAAAAAAAAZAAAAAEAAABAAAAAAAAAAAAAAAAAAAAAAAAAAAAAAAAAAAAAAAAAAAAAAAAAAAAAAAAAAAAAAAAAAAAAAAAAAAAAAAAAAAAAAAAAAAAAAAAAAAAAAAAAAAAAAAAAAAAAFAAAADwAAAAAAAAAAAAAAAAAAAkUAAAAAQAAABQAAAAUAAAAFAAAAAEAAAAAAAAAZAAAAGQAAAAAAAAAZAAAAGQAAAAVAAAAYAAAAAAAAAAAAAAADwAAACADAAAAAAAAAAAAAAEAAACgMgAAVgcAAKr4//8BAAAAf39/AAEAAABkAAAAAAAAABQAAABAHwAAAAAAACYAAAAAAAAAwOD//wAAAAAmAAAAZAAAABYAAABMAAAAAAAAAAAAAAAEAAAAAAAAAAEAAACAgIAKAAAAACgAAAAoAAAAZAAAAGQAAAAAAAAAzMzMAAAAAABQAAAAUAAAAGQAAABkAAAAAAAAABcAAAAUAAAAAAAAAAAAAAD/fwAA/38AAAAAAAAJAAAABAAAAAQAxWgMAAAAEAAAAAAAAAAAAAAAAAAAAAAAAAAeAAAAaAAAAAAAAAAAAAAAAAAAAAAAAAAAAAAAECcAABAnAAAAAAAAAAAAAAAAAAAAAAAAAAAAAAAAAAAAAAAAAAAAABQAAAAAAAAAwMD/AAAAAABkAAAAMgAAAAAAAABkAAAAAAAAAH9/fwAKAAAAHwAAAFQAAAAAAAAFAAAAAQAAAAAAAAAAAAAAAAAAAAAAAAAAAAAAAAAAAAAAAAAAAAAAAn9/fwAAAAADzMzMAMDA/wB/f38AAAAAAAAAAAAAAAAAAAAAAAAAAAAhAAAAGAAAABQAAADQAgAAsAEAAHA1AAC4CAAAEAAAACYAAAAIAAAAAAAAAAAAAAA="/>
               </a:ext>
             </a:extLst>
           </p:cNvSpPr>
@@ -1541,7 +1542,7 @@
             <a:spLocks noGrp="1" noChangeArrowheads="1"/>
             <a:extLst>
               <a:ext uri="smNativeData">
-                <pr:smNativeData xmlns:pr="smNativeData" val="SMDATA_13_cFGrYxMAAAAlAAAAZAAAAA8BAAAAkAAAAEgAAACQAAAASAAAAAAAAAACAAAAAAAAAAEAAABQAAAAAAAAAAAA4D8AAAAAAADgPwAAAAAAAOA/AAAAAAAA4D8AAAAAAADgPwAAAAAAAOA/AAAAAAAA4D8AAAAAAADgPwAAAAAAAOA/AAAAAAAA4D8CAAAAjAAAAAAAAAAAAAAAu+DjDP///wgAAAAAAAAAAAAAAAAAAAAAAAAAAAAAAAAAAAAAZAAAAAEAAABAAAAAAAAAAAAAAAAAAAAAAAAAAAAAAAAAAAAAAAAAAAAAAAAAAAAAAAAAAAAAAAAAAAAAAAAAAAAAAAAAAAAAAAAAAAAAAAAAAAAAAAAAAAAAAAAAAAAAFAAAADwAAAAAAAAAAAAAAAAAAAkUAAAAAQAAABQAAAAUAAAAFAAAAAEAAAAAAAAAZAAAAGQAAAAAAAAAZAAAAGQAAAAVAAAAYAAAAAAAAAAAAAAADwAAACADAAAAAAAAAAAAAAEAAACgMgAAVgcAAKr4//8BAAAAf39/AAEAAABkAAAAAAAAABQAAABAHwAAAAAAACYAAAAAAAAAwOD//wAAAAAmAAAAZAAAABYAAABMAAAAAAAAAAAAAAAEAAAAAAAAAAEAAACAgIAKAAAAACgAAAAoAAAAZAAAAGQAAAAAAAAAzMzMAAAAAABQAAAAUAAAAGQAAABkAAAAAAAAABcAAAAUAAAAAAAAAAAAAAD/fwAA/38AAAAAAAAJAAAABAAAAAMAbkEMAAAAEAAAAAAAAAAAAAAAAAAAAAAAAAAeAAAAaAAAAAAAAAAAAAAAAAAAAAAAAAAAAAAAECcAABAnAAAAAAAAAAAAAAAAAAAAAAAAAAAAAAAAAAAAAAAAAAAAABQAAAAAAAAAwMD/AAAAAABkAAAAMgAAAAAAAABkAAAAAAAAAH9/fwAKAAAAHwAAAFQAAAAAAAAFAAAAAQAAAAAAAAAAAAAAAAAAAAAAAAAAAAAAAAAAAAAAAAAAAAAAAn9/fwAAAAADzMzMAMDA/wB/f38AAAAAAAAAAAAAAAAAAAAAAAAAAAAhAAAAGAAAABQAAADQAgAAcQkAAKobAABhDQAAEAAAACYAAAAIAAAAgYAAAAAAAAA="/>
+                <pr:smNativeData xmlns:pr="smNativeData" val="SMDATA_13_B6msYxMAAAAlAAAAZAAAAA8BAAAAkAAAAEgAAACQAAAASAAAAAAAAAACAAAAAAAAAAEAAABQAAAAAAAAAAAA4D8AAAAAAADgPwAAAAAAAOA/AAAAAAAA4D8AAAAAAADgPwAAAAAAAOA/AAAAAAAA4D8AAAAAAADgPwAAAAAAAOA/AAAAAAAA4D8CAAAAjAAAAAAAAAAAAAAAu+DjDP///wgAAAAAAAAAAAAAAAAAAAAAAAAAAAAAAAAAAAAAZAAAAAEAAABAAAAAAAAAAAAAAAAAAAAAAAAAAAAAAAAAAAAAAAAAAAAAAAAAAAAAAAAAAAAAAAAAAAAAAAAAAAAAAAAAAAAAAAAAAAAAAAAAAAAAAAAAAAAAAAAAAAAAFAAAADwAAAAAAAAAAAAAAAAAAAkUAAAAAQAAABQAAAAUAAAAFAAAAAEAAAAAAAAAZAAAAGQAAAAAAAAAZAAAAGQAAAAVAAAAYAAAAAAAAAAAAAAADwAAACADAAAAAAAAAAAAAAEAAACgMgAAVgcAAKr4//8BAAAAf39/AAEAAABkAAAAAAAAABQAAABAHwAAAAAAACYAAAAAAAAAwOD//wAAAAAmAAAAZAAAABYAAABMAAAAAAAAAAAAAAAEAAAAAAAAAAEAAACAgIAKAAAAACgAAAAoAAAAZAAAAGQAAAAAAAAAzMzMAAAAAABQAAAAUAAAAGQAAABkAAAAAAAAABcAAAAUAAAAAAAAAAAAAAD/fwAA/38AAAAAAAAJAAAABAAAAAMAbkEMAAAAEAAAAAAAAAAAAAAAAAAAAAAAAAAeAAAAaAAAAAAAAAAAAAAAAAAAAAAAAAAAAAAAECcAABAnAAAAAAAAAAAAAAAAAAAAAAAAAAAAAAAAAAAAAAAAAAAAABQAAAAAAAAAwMD/AAAAAABkAAAAMgAAAAAAAABkAAAAAAAAAH9/fwAKAAAAHwAAAFQAAAAAAAAFAAAAAQAAAAAAAAAAAAAAAAAAAAAAAAAAAAAAAAAAAAAAAAAAAAAAAn9/fwAAAAADzMzMAMDA/wB/f38AAAAAAAAAAAAAAAAAAAAAAAAAAAAhAAAAGAAAABQAAADQAgAAcQkAAKobAABhDQAAEAAAACYAAAAIAAAAgYAAAAAAAAA="/>
               </a:ext>
             </a:extLst>
           </p:cNvSpPr>
@@ -1614,7 +1615,7 @@
             <a:spLocks noGrp="1" noChangeArrowheads="1"/>
             <a:extLst>
               <a:ext uri="smNativeData">
-                <pr:smNativeData xmlns:pr="smNativeData" val="SMDATA_13_cFGrYxMAAAAlAAAAZAAAAA8BAAAAkAAAAEgAAACQAAAASAAAAAAAAAAAAAAAAAAAAAEAAABQAAAAAAAAAAAA4D8AAAAAAADgPwAAAAAAAOA/AAAAAAAA4D8AAAAAAADgPwAAAAAAAOA/AAAAAAAA4D8AAAAAAADgPwAAAAAAAOA/AAAAAAAA4D8CAAAAjAAAAAAAAAAAAAAAu+DjDP///wgAAAAAAAAAAAAAAAAAAAAAAAAAAAAAAAAAAAAAZAAAAAEAAABAAAAAAAAAAAAAAAAAAAAAAAAAAAAAAAAAAAAAAAAAAAAAAAAAAAAAAAAAAAAAAAAAAAAAAAAAAAAAAAAAAAAAAAAAAAAAAAAAAAAAAAAAAAAAAAAAAAAAFAAAADwAAAAAAAAAAAAAAAAAAAkUAAAAAQAAABQAAAAUAAAAFAAAAAEAAAAAAAAAZAAAAGQAAAAAAAAAZAAAAGQAAAAVAAAAYAAAAAAAAAAAAAAADwAAACADAAAAAAAAAAAAAAEAAACgMgAAVgcAAKr4//8BAAAAf39/AAEAAABkAAAAAAAAABQAAABAHwAAAAAAACYAAAAAAAAAwOD//wAAAAAmAAAAZAAAABYAAABMAAAAAAAAAAAAAAAEAAAAAAAAAAEAAACAgIAKAAAAACgAAAAoAAAAZAAAAGQAAAAAAAAAzMzMAAAAAABQAAAAUAAAAGQAAABkAAAAAAAAABcAAAAUAAAAAAAAAAAAAAD/fwAA/38AAAAAAAAJAAAABAAAAAMAhUEMAAAAEAAAAAAAAAAAAAAAAAAAAAAAAAAeAAAAaAAAAAAAAAAAAAAAAAAAAAAAAAAAAAAAECcAABAnAAAAAAAAAAAAAAAAAAAAAAAAAAAAAAAAAAAAAAAAAAAAABQAAAAAAAAAwMD/AAAAAABkAAAAMgAAAAAAAABkAAAAAAAAAH9/fwAKAAAAHwAAAFQAAAAAAAAFAAAAAQAAAAAAAAAAAAAAAAAAAAAAAAAAAAAAAAAAAAAAAAAAAAAAAn9/fwAAAAADzMzMAMDA/wB/f38AAAAAAAAAAAAAAAAAAAAAAAAAAAAhAAAAGAAAABQAAADQAgAAYQ0AAKobAACwJQAAEAAAACYAAAAIAAAAAYAAAAAAAAA="/>
+                <pr:smNativeData xmlns:pr="smNativeData" val="SMDATA_13_B6msYxMAAAAlAAAAZAAAAA8BAAAAkAAAAEgAAACQAAAASAAAAAAAAAAAAAAAAAAAAAEAAABQAAAAAAAAAAAA4D8AAAAAAADgPwAAAAAAAOA/AAAAAAAA4D8AAAAAAADgPwAAAAAAAOA/AAAAAAAA4D8AAAAAAADgPwAAAAAAAOA/AAAAAAAA4D8CAAAAjAAAAAAAAAAAAAAAu+DjDP///wgAAAAAAAAAAAAAAAAAAAAAAAAAAAAAAAAAAAAAZAAAAAEAAABAAAAAAAAAAAAAAAAAAAAAAAAAAAAAAAAAAAAAAAAAAAAAAAAAAAAAAAAAAAAAAAAAAAAAAAAAAAAAAAAAAAAAAAAAAAAAAAAAAAAAAAAAAAAAAAAAAAAAFAAAADwAAAAAAAAAAAAAAAAAAAkUAAAAAQAAABQAAAAUAAAAFAAAAAEAAAAAAAAAZAAAAGQAAAAAAAAAZAAAAGQAAAAVAAAAYAAAAAAAAAAAAAAADwAAACADAAAAAAAAAAAAAAEAAACgMgAAVgcAAKr4//8BAAAAf39/AAEAAABkAAAAAAAAABQAAABAHwAAAAAAACYAAAAAAAAAwOD//wAAAAAmAAAAZAAAABYAAABMAAAAAAAAAAAAAAAEAAAAAAAAAAEAAACAgIAKAAAAACgAAAAoAAAAZAAAAGQAAAAAAAAAzMzMAAAAAABQAAAAUAAAAGQAAABkAAAAAAAAABcAAAAUAAAAAAAAAAAAAAD/fwAA/38AAAAAAAAJAAAABAAAAAMAhUEMAAAAEAAAAAAAAAAAAAAAAAAAAAAAAAAeAAAAaAAAAAAAAAAAAAAAAAAAAAAAAAAAAAAAECcAABAnAAAAAAAAAAAAAAAAAAAAAAAAAAAAAAAAAAAAAAAAAAAAABQAAAAAAAAAwMD/AAAAAABkAAAAMgAAAAAAAABkAAAAAAAAAH9/fwAKAAAAHwAAAFQAAAAAAAAFAAAAAQAAAAAAAAAAAAAAAAAAAAAAAAAAAAAAAAAAAAAAAAAAAAAAAn9/fwAAAAADzMzMAMDA/wB/f38AAAAAAAAAAAAAAAAAAAAAAAAAAAAhAAAAGAAAABQAAADQAgAAYQ0AAKobAACwJQAAEAAAACYAAAAIAAAAAYAAAAAAAAA="/>
               </a:ext>
             </a:extLst>
           </p:cNvSpPr>
@@ -1698,7 +1699,7 @@
             <a:spLocks noGrp="1" noChangeArrowheads="1"/>
             <a:extLst>
               <a:ext uri="smNativeData">
-                <pr:smNativeData xmlns:pr="smNativeData" val="SMDATA_13_cFGrYxMAAAAlAAAAZAAAAA8BAAAAkAAAAEgAAACQAAAASAAAAAAAAAACAAAAAAAAAAEAAABQAAAAAAAAAAAA4D8AAAAAAADgPwAAAAAAAOA/AAAAAAAA4D8AAAAAAADgPwAAAAAAAOA/AAAAAAAA4D8AAAAAAADgPwAAAAAAAOA/AAAAAAAA4D8CAAAAjAAAAAAAAAAAAAAAu+DjDP///wgAAAAAAAAAAAAAAAAAAAAAAAAAAAAAAAAAAAAAZAAAAAEAAABAAAAAAAAAAAAAAAAAAAAAAAAAAAAAAAAAAAAAAAAAAAAAAAAAAAAAAAAAAAAAAAAAAAAAAAAAAAAAAAAAAAAAAAAAAAAAAAAAAAAAAAAAAAAAAAAAAAAAFAAAADwAAAAAAAAAAAAAAAAAAAkUAAAAAQAAABQAAAAUAAAAFAAAAAEAAAAAAAAAZAAAAGQAAAAAAAAAZAAAAGQAAAAVAAAAYAAAAAAAAAAAAAAADwAAACADAAAAAAAAAAAAAAEAAACgMgAAVgcAAKr4//8BAAAAf39/AAEAAABkAAAAAAAAABQAAABAHwAAAAAAACYAAAAAAAAAwOD//wAAAAAmAAAAZAAAABYAAABMAAAAAAAAAAAAAAAEAAAAAAAAAAEAAACAgIAKAAAAACgAAAAoAAAAZAAAAGQAAAAAAAAAzMzMAAAAAABQAAAAUAAAAGQAAABkAAAAAAAAABcAAAAUAAAAAAAAAAAAAAD/fwAA/38AAAAAAAAJAAAABAAAAOOYAwAMAAAAEAAAAAAAAAAAAAAAAAAAAAAAAAAeAAAAaAAAAAAAAAAAAAAAAAAAAAAAAAAAAAAAECcAABAnAAAAAAAAAAAAAAAAAAAAAAAAAAAAAAAAAAAAAAAAAAAAABQAAAAAAAAAwMD/AAAAAABkAAAAMgAAAAAAAABkAAAAAAAAAH9/fwAKAAAAHwAAAFQAAAAAAAAFAAAAAQAAAAAAAAAAAAAAAAAAAAAAAAAAAAAAAAAAAAAAAAAAAAAAAn9/fwAAAAADzMzMAMDA/wB/f38AAAAAAAAAAAAAAAAAAAAAAAAAAAAhAAAAGAAAABQAAACWHAAAcQkAAHA1AABhDQAAEAAAACYAAAAIAAAAgYAAAAAAAAA="/>
+                <pr:smNativeData xmlns:pr="smNativeData" val="SMDATA_13_B6msYxMAAAAlAAAAZAAAAA8BAAAAkAAAAEgAAACQAAAASAAAAAAAAAACAAAAAAAAAAEAAABQAAAAAAAAAAAA4D8AAAAAAADgPwAAAAAAAOA/AAAAAAAA4D8AAAAAAADgPwAAAAAAAOA/AAAAAAAA4D8AAAAAAADgPwAAAAAAAOA/AAAAAAAA4D8CAAAAjAAAAAAAAAAAAAAAu+DjDP///wgAAAAAAAAAAAAAAAAAAAAAAAAAAAAAAAAAAAAAZAAAAAEAAABAAAAAAAAAAAAAAAAAAAAAAAAAAAAAAAAAAAAAAAAAAAAAAAAAAAAAAAAAAAAAAAAAAAAAAAAAAAAAAAAAAAAAAAAAAAAAAAAAAAAAAAAAAAAAAAAAAAAAFAAAADwAAAAAAAAAAAAAAAAAAAkUAAAAAQAAABQAAAAUAAAAFAAAAAEAAAAAAAAAZAAAAGQAAAAAAAAAZAAAAGQAAAAVAAAAYAAAAAAAAAAAAAAADwAAACADAAAAAAAAAAAAAAEAAACgMgAAVgcAAKr4//8BAAAAf39/AAEAAABkAAAAAAAAABQAAABAHwAAAAAAACYAAAAAAAAAwOD//wAAAAAmAAAAZAAAABYAAABMAAAAAAAAAAAAAAAEAAAAAAAAAAEAAACAgIAKAAAAACgAAAAoAAAAZAAAAGQAAAAAAAAAzMzMAAAAAABQAAAAUAAAAGQAAABkAAAAAAAAABcAAAAUAAAAAAAAAAAAAAD/fwAA/38AAAAAAAAJAAAABAAAAOOYAwAMAAAAEAAAAAAAAAAAAAAAAAAAAAAAAAAeAAAAaAAAAAAAAAAAAAAAAAAAAAAAAAAAAAAAECcAABAnAAAAAAAAAAAAAAAAAAAAAAAAAAAAAAAAAAAAAAAAAAAAABQAAAAAAAAAwMD/AAAAAABkAAAAMgAAAAAAAABkAAAAAAAAAH9/fwAKAAAAHwAAAFQAAAAAAAAFAAAAAQAAAAAAAAAAAAAAAAAAAAAAAAAAAAAAAAAAAAAAAAAAAAAAAn9/fwAAAAADzMzMAMDA/wB/f38AAAAAAAAAAAAAAAAAAAAAAAAAAAAhAAAAGAAAABQAAACWHAAAcQkAAHA1AABhDQAAEAAAACYAAAAIAAAAgYAAAAAAAAA="/>
               </a:ext>
             </a:extLst>
           </p:cNvSpPr>
@@ -1771,7 +1772,7 @@
             <a:spLocks noGrp="1" noChangeArrowheads="1"/>
             <a:extLst>
               <a:ext uri="smNativeData">
-                <pr:smNativeData xmlns:pr="smNativeData" val="SMDATA_13_cFGrYxMAAAAlAAAAZAAAAA8BAAAAkAAAAEgAAACQAAAASAAAAAAAAAAAAAAAAAAAAAEAAABQAAAAAAAAAAAA4D8AAAAAAADgPwAAAAAAAOA/AAAAAAAA4D8AAAAAAADgPwAAAAAAAOA/AAAAAAAA4D8AAAAAAADgPwAAAAAAAOA/AAAAAAAA4D8CAAAAjAAAAAAAAAAAAAAAu+DjDP///wgAAAAAAAAAAAAAAAAAAAAAAAAAAAAAAAAAAAAAZAAAAAEAAABAAAAAAAAAAAAAAAAAAAAAAAAAAAAAAAAAAAAAAAAAAAAAAAAAAAAAAAAAAAAAAAAAAAAAAAAAAAAAAAAAAAAAAAAAAAAAAAAAAAAAAAAAAAAAAAAAAAAAFAAAADwAAAAAAAAAAAAAAAAAAAkUAAAAAQAAABQAAAAUAAAAFAAAAAEAAAAAAAAAZAAAAGQAAAAAAAAAZAAAAGQAAAAVAAAAYAAAAAAAAAAAAAAADwAAACADAAAAAAAAAAAAAAEAAACgMgAAVgcAAKr4//8BAAAAf39/AAEAAABkAAAAAAAAABQAAABAHwAAAAAAACYAAAAAAAAAwOD//wAAAAAmAAAAZAAAABYAAABMAAAAAAAAAAAAAAAEAAAAAAAAAAEAAACAgIAKAAAAACgAAAAoAAAAZAAAAGQAAAAAAAAAzMzMAAAAAABQAAAAUAAAAGQAAABkAAAAAAAAABcAAAAUAAAAAAAAAAAAAAD/fwAA/38AAAAAAAAJAAAABAAAAAMAjgwMAAAAEAAAAAAAAAAAAAAAAAAAAAAAAAAeAAAAaAAAAAAAAAAAAAAAAAAAAAAAAAAAAAAAECcAABAnAAAAAAAAAAAAAAAAAAAAAAAAAAAAAAAAAAAAAAAAAAAAABQAAAAAAAAAwMD/AAAAAABkAAAAMgAAAAAAAABkAAAAAAAAAH9/fwAKAAAAHwAAAFQAAAAAAAAFAAAAAQAAAAAAAAAAAAAAAAAAAAAAAAAAAAAAAAAAAAAAAAAAAAAAAn9/fwAAAAADzMzMAMDA/wB/f38AAAAAAAAAAAAAAAAAAAAAAAAAAAAhAAAAGAAAABQAAACWHAAAYQ0AAHA1AACwJQAAEAAAACYAAAAIAAAAAYAAAAAAAAA="/>
+                <pr:smNativeData xmlns:pr="smNativeData" val="SMDATA_13_B6msYxMAAAAlAAAAZAAAAA8BAAAAkAAAAEgAAACQAAAASAAAAAAAAAAAAAAAAAAAAAEAAABQAAAAAAAAAAAA4D8AAAAAAADgPwAAAAAAAOA/AAAAAAAA4D8AAAAAAADgPwAAAAAAAOA/AAAAAAAA4D8AAAAAAADgPwAAAAAAAOA/AAAAAAAA4D8CAAAAjAAAAAAAAAAAAAAAu+DjDP///wgAAAAAAAAAAAAAAAAAAAAAAAAAAAAAAAAAAAAAZAAAAAEAAABAAAAAAAAAAAAAAAAAAAAAAAAAAAAAAAAAAAAAAAAAAAAAAAAAAAAAAAAAAAAAAAAAAAAAAAAAAAAAAAAAAAAAAAAAAAAAAAAAAAAAAAAAAAAAAAAAAAAAFAAAADwAAAAAAAAAAAAAAAAAAAkUAAAAAQAAABQAAAAUAAAAFAAAAAEAAAAAAAAAZAAAAGQAAAAAAAAAZAAAAGQAAAAVAAAAYAAAAAAAAAAAAAAADwAAACADAAAAAAAAAAAAAAEAAACgMgAAVgcAAKr4//8BAAAAf39/AAEAAABkAAAAAAAAABQAAABAHwAAAAAAACYAAAAAAAAAwOD//wAAAAAmAAAAZAAAABYAAABMAAAAAAAAAAAAAAAEAAAAAAAAAAEAAACAgIAKAAAAACgAAAAoAAAAZAAAAGQAAAAAAAAAzMzMAAAAAABQAAAAUAAAAGQAAABkAAAAAAAAABcAAAAUAAAAAAAAAAAAAAD/fwAA/38AAAAAAAAJAAAABAAAAAMAjgwMAAAAEAAAAAAAAAAAAAAAAAAAAAAAAAAeAAAAaAAAAAAAAAAAAAAAAAAAAAAAAAAAAAAAECcAABAnAAAAAAAAAAAAAAAAAAAAAAAAAAAAAAAAAAAAAAAAAAAAABQAAAAAAAAAwMD/AAAAAABkAAAAMgAAAAAAAABkAAAAAAAAAH9/fwAKAAAAHwAAAFQAAAAAAAAFAAAAAQAAAAAAAAAAAAAAAAAAAAAAAAAAAAAAAAAAAAAAAAAAAAAAAn9/fwAAAAADzMzMAMDA/wB/f38AAAAAAAAAAAAAAAAAAAAAAAAAAAAhAAAAGAAAABQAAACWHAAAYQ0AAHA1AACwJQAAEAAAACYAAAAIAAAAAYAAAAAAAAA="/>
               </a:ext>
             </a:extLst>
           </p:cNvSpPr>
@@ -1855,7 +1856,7 @@
             <a:spLocks noGrp="1" noChangeArrowheads="1"/>
             <a:extLst>
               <a:ext uri="smNativeData">
-                <pr:smNativeData xmlns:pr="smNativeData" val="SMDATA_13_cFGrYxMAAAAlAAAAZAAAAA8BAAAAkAAAAEgAAACQAAAASAAAAAAAAAABAAAAAAAAAAEAAABQAAAAAAAAAAAA4D8AAAAAAADgPwAAAAAAAOA/AAAAAAAA4D8AAAAAAADgPwAAAAAAAOA/AAAAAAAA4D8AAAAAAADgPwAAAAAAAOA/AAAAAAAA4D8CAAAAjAAAAAAAAAAAAAAAu+DjDP///wgAAAAAAAAAAAAAAAAAAAAAAAAAAAAAAAAAAAAAZAAAAAEAAABAAAAAAAAAAAAAAAAAAAAAAAAAAAAAAAAAAAAAAAAAAAAAAAAAAAAAAAAAAAAAAAAAAAAAAAAAAAAAAAAAAAAAAAAAAAAAAAAAAAAAAAAAAAAAAAAAAAAAFAAAADwAAAAAAAAAAAAAAAAAAAkUAAAAAQAAABQAAAAUAAAAFAAAAAEAAAAAAAAAZAAAAGQAAAAAAAAAZAAAAGQAAAAVAAAAYAAAAAAAAAAAAAAADwAAACADAAAAAAAAAAAAAAEAAACgMgAAVgcAAKr4//8BAAAAf39/AAEAAABkAAAAAAAAABQAAABAHwAAAAAAACYAAAAAAAAAwOD//wAAAAAmAAAAZAAAABYAAABMAAAAAAAAAAAAAAAEAAAAAAAAAAEAAACAgIAKAAAAACgAAAAoAAAAZAAAAGQAAAAAAAAAzMzMAAAAAABQAAAAUAAAAGQAAABkAAAAAAAAABcAAAAUAAAAAAAAAAAAAAD/fwAA/38AAAAAAAAJAAAABAAAAM9Aa2gMAAAAEAAAAAAAAAAAAAAAAAAAAAAAAAAeAAAAaAAAAAAAAAAAAAAAAAAAAAAAAAAAAAAAECcAABAnAAAAAAAAAAAAAAAAAAAAAAAAAAAAAAAAAAAAAAAAAAAAABQAAAAAAAAAwMD/AAAAAABkAAAAMgAAAAAAAABkAAAAAAAAAH9/fwAKAAAAHwAAAFQAAAAAAAAFAAAAAQAAAAAAAAAAAAAAAAAAAAAAAAAAAAAAAAAAAAAAAAAAAAAAAn9/fwAAAAADzMzMAMDA/wB/f38AAAAAAAAAAAAAAAAAAAAAAAAAAAAhAAAAGAAAABQAAADQAgAAGycAAPAPAABZKQAAEAAAACYAAAAIAAAAAAAAAAAAAAA="/>
+                <pr:smNativeData xmlns:pr="smNativeData" val="SMDATA_13_B6msYxMAAAAlAAAAZAAAAA8BAAAAkAAAAEgAAACQAAAASAAAAAAAAAABAAAAAAAAAAEAAABQAAAAAAAAAAAA4D8AAAAAAADgPwAAAAAAAOA/AAAAAAAA4D8AAAAAAADgPwAAAAAAAOA/AAAAAAAA4D8AAAAAAADgPwAAAAAAAOA/AAAAAAAA4D8CAAAAjAAAAAAAAAAAAAAAu+DjDP///wgAAAAAAAAAAAAAAAAAAAAAAAAAAAAAAAAAAAAAZAAAAAEAAABAAAAAAAAAAAAAAAAAAAAAAAAAAAAAAAAAAAAAAAAAAAAAAAAAAAAAAAAAAAAAAAAAAAAAAAAAAAAAAAAAAAAAAAAAAAAAAAAAAAAAAAAAAAAAAAAAAAAAFAAAADwAAAAAAAAAAAAAAAAAAAkUAAAAAQAAABQAAAAUAAAAFAAAAAEAAAAAAAAAZAAAAGQAAAAAAAAAZAAAAGQAAAAVAAAAYAAAAAAAAAAAAAAADwAAACADAAAAAAAAAAAAAAEAAACgMgAAVgcAAKr4//8BAAAAf39/AAEAAABkAAAAAAAAABQAAABAHwAAAAAAACYAAAAAAAAAwOD//wAAAAAmAAAAZAAAABYAAABMAAAAAAAAAAAAAAAEAAAAAAAAAAEAAACAgIAKAAAAACgAAAAoAAAAZAAAAGQAAAAAAAAAzMzMAAAAAABQAAAAUAAAAGQAAABkAAAAAAAAABcAAAAUAAAAAAAAAAAAAAD/fwAA/38AAAAAAAAJAAAABAAAAM9Aa2gMAAAAEAAAAAAAAAAAAAAAAAAAAAAAAAAeAAAAaAAAAAAAAAAAAAAAAAAAAAAAAAAAAAAAECcAABAnAAAAAAAAAAAAAAAAAAAAAAAAAAAAAAAAAAAAAAAAAAAAABQAAAAAAAAAwMD/AAAAAABkAAAAMgAAAAAAAABkAAAAAAAAAH9/fwAKAAAAHwAAAFQAAAAAAAAFAAAAAQAAAAAAAAAAAAAAAAAAAAAAAAAAAAAAAAAAAAAAAAAAAAAAAn9/fwAAAAADzMzMAMDA/wB/f38AAAAAAAAAAAAAAAAAAAAAAAAAAAAhAAAAGAAAABQAAADQAgAAGycAAPAPAABZKQAAEAAAACYAAAAIAAAAAAAAAAAAAAA="/>
               </a:ext>
             </a:extLst>
           </p:cNvSpPr>
@@ -1869,7 +1870,7 @@
           <a:lstStyle/>
           <a:p>
             <a:pPr/>
-            <a:fld id="{21E78BEF-A1CC-B27D-825F-5728C5117402}" type="datetime1">
+            <a:fld id="{1CA1D84F-01F1-F42E-BF19-F77B965749A2}" type="datetime1">
               <a:t/>
             </a:fld>
           </a:p>
@@ -1882,7 +1883,7 @@
             <a:spLocks noGrp="1" noChangeArrowheads="1"/>
             <a:extLst>
               <a:ext uri="smNativeData">
-                <pr:smNativeData xmlns:pr="smNativeData" val="SMDATA_13_cFGrYxMAAAAlAAAAZAAAAA8BAAAAkAAAAEgAAACQAAAASAAAAAAAAAABAAAAAAAAAAEAAABQAAAAAAAAAAAA4D8AAAAAAADgPwAAAAAAAOA/AAAAAAAA4D8AAAAAAADgPwAAAAAAAOA/AAAAAAAA4D8AAAAAAADgPwAAAAAAAOA/AAAAAAAA4D8CAAAAjAAAAAAAAAAAAAAAu+DjDP///wgAAAAAAAAAAAAAAAAAAAAAAAAAAAAAAAAAAAAAZAAAAAEAAABAAAAAAAAAAAAAAAAAAAAAAAAAAAAAAAAAAAAAAAAAAAAAAAAAAAAAAAAAAAAAAAAAAAAAAAAAAAAAAAAAAAAAAAAAAAAAAAAAAAAAAAAAAAAAAAAAAAAAFAAAADwAAAAAAAAAAAAAAAAAAAkUAAAAAQAAABQAAAAUAAAAFAAAAAEAAAAAAAAAZAAAAGQAAAAAAAAAZAAAAGQAAAAVAAAAYAAAAAAAAAAAAAAADwAAACADAAAAAAAAAAAAAAEAAACgMgAAVgcAAKr4//8BAAAAf39/AAEAAABkAAAAAAAAABQAAABAHwAAAAAAACYAAAAAAAAAwOD//wAAAAAmAAAAZAAAABYAAABMAAAAAAAAAAAAAAAEAAAAAAAAAAEAAACAgIAKAAAAACgAAAAoAAAAZAAAAGQAAAAAAAAAzMzMAAAAAABQAAAAUAAAAGQAAABkAAAAAAAAABcAAAAUAAAAAAAAAAAAAAD/fwAA/38AAAAAAAAJAAAABAAAAHJ+AwAMAAAAEAAAAAAAAAAAAAAAAAAAAAAAAAAeAAAAaAAAAAAAAAAAAAAAAAAAAAAAAAAAAAAAECcAABAnAAAAAAAAAAAAAAAAAAAAAAAAAAAAAAAAAAAAAAAAAAAAABQAAAAAAAAAwMD/AAAAAABkAAAAMgAAAAAAAABkAAAAAAAAAH9/fwAKAAAAHwAAAFQAAAAAAAAFAAAAAQAAAAAAAAAAAAAAAAAAAAAAAAAAAAAAAAAAAAAAAAAAAAAAAn9/fwAAAAADzMzMAMDA/wB/f38AAAAAAAAAAAAAAAAAAAAAAAAAAAAhAAAAGAAAABQAAAA4EwAAGycAAAglAABZKQAAEAAAACYAAAAIAAAAAAAAAAAAAAA="/>
+                <pr:smNativeData xmlns:pr="smNativeData" val="SMDATA_13_B6msYxMAAAAlAAAAZAAAAA8BAAAAkAAAAEgAAACQAAAASAAAAAAAAAABAAAAAAAAAAEAAABQAAAAAAAAAAAA4D8AAAAAAADgPwAAAAAAAOA/AAAAAAAA4D8AAAAAAADgPwAAAAAAAOA/AAAAAAAA4D8AAAAAAADgPwAAAAAAAOA/AAAAAAAA4D8CAAAAjAAAAAAAAAAAAAAAu+DjDP///wgAAAAAAAAAAAAAAAAAAAAAAAAAAAAAAAAAAAAAZAAAAAEAAABAAAAAAAAAAAAAAAAAAAAAAAAAAAAAAAAAAAAAAAAAAAAAAAAAAAAAAAAAAAAAAAAAAAAAAAAAAAAAAAAAAAAAAAAAAAAAAAAAAAAAAAAAAAAAAAAAAAAAFAAAADwAAAAAAAAAAAAAAAAAAAkUAAAAAQAAABQAAAAUAAAAFAAAAAEAAAAAAAAAZAAAAGQAAAAAAAAAZAAAAGQAAAAVAAAAYAAAAAAAAAAAAAAADwAAACADAAAAAAAAAAAAAAEAAACgMgAAVgcAAKr4//8BAAAAf39/AAEAAABkAAAAAAAAABQAAABAHwAAAAAAACYAAAAAAAAAwOD//wAAAAAmAAAAZAAAABYAAABMAAAAAAAAAAAAAAAEAAAAAAAAAAEAAACAgIAKAAAAACgAAAAoAAAAZAAAAGQAAAAAAAAAzMzMAAAAAABQAAAAUAAAAGQAAABkAAAAAAAAABcAAAAUAAAAAAAAAAAAAAD/fwAA/38AAAAAAAAJAAAABAAAAHJ+AwAMAAAAEAAAAAAAAAAAAAAAAAAAAAAAAAAeAAAAaAAAAAAAAAAAAAAAAAAAAAAAAAAAAAAAECcAABAnAAAAAAAAAAAAAAAAAAAAAAAAAAAAAAAAAAAAAAAAAAAAABQAAAAAAAAAwMD/AAAAAABkAAAAMgAAAAAAAABkAAAAAAAAAH9/fwAKAAAAHwAAAFQAAAAAAAAFAAAAAQAAAAAAAAAAAAAAAAAAAAAAAAAAAAAAAAAAAAAAAAAAAAAAAn9/fwAAAAADzMzMAMDA/wB/f38AAAAAAAAAAAAAAAAAAAAAAAAAAAAhAAAAGAAAABQAAAA4EwAAGycAAAglAABZKQAAEAAAACYAAAAIAAAAAAAAAAAAAAA="/>
               </a:ext>
             </a:extLst>
           </p:cNvSpPr>
@@ -1906,7 +1907,7 @@
             <a:spLocks noGrp="1" noChangeArrowheads="1"/>
             <a:extLst>
               <a:ext uri="smNativeData">
-                <pr:smNativeData xmlns:pr="smNativeData" val="SMDATA_13_cFGrYxMAAAAlAAAAZAAAAA8BAAAAkAAAAEgAAACQAAAASAAAAAAAAAABAAAAAAAAAAEAAABQAAAAAAAAAAAA4D8AAAAAAADgPwAAAAAAAOA/AAAAAAAA4D8AAAAAAADgPwAAAAAAAOA/AAAAAAAA4D8AAAAAAADgPwAAAAAAAOA/AAAAAAAA4D8CAAAAjAAAAAAAAAAAAAAAu+DjDP///wgAAAAAAAAAAAAAAAAAAAAAAAAAAAAAAAAAAAAAZAAAAAEAAABAAAAAAAAAAAAAAAAAAAAAAAAAAAAAAAAAAAAAAAAAAAAAAAAAAAAAAAAAAAAAAAAAAAAAAAAAAAAAAAAAAAAAAAAAAAAAAAAAAAAAAAAAAAAAAAAAAAAAFAAAADwAAAAAAAAAAAAAAAAAAAkUAAAAAQAAABQAAAAUAAAAFAAAAAEAAAAAAAAAZAAAAGQAAAAAAAAAZAAAAGQAAAAVAAAAYAAAAAAAAAAAAAAADwAAACADAAAAAAAAAAAAAAEAAACgMgAAVgcAAKr4//8BAAAAf39/AAEAAABkAAAAAAAAABQAAABAHwAAAAAAACYAAAAAAAAAwOD//wAAAAAmAAAAZAAAABYAAABMAAAAAAAAAAAAAAAEAAAAAAAAAAEAAACAgIAKAAAAACgAAAAoAAAAZAAAAGQAAAAAAAAAzMzMAAAAAABQAAAAUAAAAGQAAABkAAAAAAAAABcAAAAUAAAAAAAAAAAAAAD/fwAA/38AAAAAAAAJAAAABAAAAKVGcaEMAAAAEAAAAAAAAAAAAAAAAAAAAAAAAAAeAAAAaAAAAAAAAAAAAAAAAAAAAAAAAAAAAAAAECcAABAnAAAAAAAAAAAAAAAAAAAAAAAAAAAAAAAAAAAAAAAAAAAAABQAAAAAAAAAwMD/AAAAAABkAAAAMgAAAAAAAABkAAAAAAAAAH9/fwAKAAAAHwAAAFQAAAAAAAAFAAAAAQAAAAAAAAAAAAAAAAAAAAAAAAAAAAAAAAAAAAAAAAAAAAAAAn9/fwAAAAADzMzMAMDA/wB/f38AAAAAAAAAAAAAAAAAAAAAAAAAAAAhAAAAGAAAABQAAABQKAAAGycAAHA1AABZKQAAEAAAACYAAAAIAAAAAAAAAAAAAAA="/>
+                <pr:smNativeData xmlns:pr="smNativeData" val="SMDATA_13_B6msYxMAAAAlAAAAZAAAAA8BAAAAkAAAAEgAAACQAAAASAAAAAAAAAABAAAAAAAAAAEAAABQAAAAAAAAAAAA4D8AAAAAAADgPwAAAAAAAOA/AAAAAAAA4D8AAAAAAADgPwAAAAAAAOA/AAAAAAAA4D8AAAAAAADgPwAAAAAAAOA/AAAAAAAA4D8CAAAAjAAAAAAAAAAAAAAAu+DjDP///wgAAAAAAAAAAAAAAAAAAAAAAAAAAAAAAAAAAAAAZAAAAAEAAABAAAAAAAAAAAAAAAAAAAAAAAAAAAAAAAAAAAAAAAAAAAAAAAAAAAAAAAAAAAAAAAAAAAAAAAAAAAAAAAAAAAAAAAAAAAAAAAAAAAAAAAAAAAAAAAAAAAAAFAAAADwAAAAAAAAAAAAAAAAAAAkUAAAAAQAAABQAAAAUAAAAFAAAAAEAAAAAAAAAZAAAAGQAAAAAAAAAZAAAAGQAAAAVAAAAYAAAAAAAAAAAAAAADwAAACADAAAAAAAAAAAAAAEAAACgMgAAVgcAAKr4//8BAAAAf39/AAEAAABkAAAAAAAAABQAAABAHwAAAAAAACYAAAAAAAAAwOD//wAAAAAmAAAAZAAAABYAAABMAAAAAAAAAAAAAAAEAAAAAAAAAAEAAACAgIAKAAAAACgAAAAoAAAAZAAAAGQAAAAAAAAAzMzMAAAAAABQAAAAUAAAAGQAAABkAAAAAAAAABcAAAAUAAAAAAAAAAAAAAD/fwAA/38AAAAAAAAJAAAABAAAAKVGcaEMAAAAEAAAAAAAAAAAAAAAAAAAAAAAAAAeAAAAaAAAAAAAAAAAAAAAAAAAAAAAAAAAAAAAECcAABAnAAAAAAAAAAAAAAAAAAAAAAAAAAAAAAAAAAAAAAAAAAAAABQAAAAAAAAAwMD/AAAAAABkAAAAMgAAAAAAAABkAAAAAAAAAH9/fwAKAAAAHwAAAFQAAAAAAAAFAAAAAQAAAAAAAAAAAAAAAAAAAAAAAAAAAAAAAAAAAAAAAAAAAAAAAn9/fwAAAAADzMzMAMDA/wB/f38AAAAAAAAAAAAAAAAAAAAAAAAAAAAhAAAAGAAAABQAAABQKAAAGycAAHA1AABZKQAAEAAAACYAAAAIAAAAAAAAAAAAAAA="/>
               </a:ext>
             </a:extLst>
           </p:cNvSpPr>
@@ -1920,7 +1921,7 @@
           <a:lstStyle/>
           <a:p>
             <a:pPr/>
-            <a:fld id="{21E7FB83-CDCC-B20D-825F-3B58B511746E}" type="slidenum">
+            <a:fld id="{1CA18626-68F1-F470-BF19-9E25C85749CB}" type="slidenum">
               <a:t/>
             </a:fld>
           </a:p>
@@ -1958,7 +1959,7 @@
             <a:spLocks noGrp="1" noChangeArrowheads="1"/>
             <a:extLst>
               <a:ext uri="smNativeData">
-                <pr:smNativeData xmlns:pr="smNativeData" val="SMDATA_13_cFGrYxMAAAAlAAAAZAAAAA8BAAAAkAAAAEgAAACQAAAASAAAAAAAAAABAAAAAAAAAAEAAABQAAAAAAAAAAAA4D8AAAAAAADgPwAAAAAAAOA/AAAAAAAA4D8AAAAAAADgPwAAAAAAAOA/AAAAAAAA4D8AAAAAAADgPwAAAAAAAOA/AAAAAAAA4D8CAAAAjAAAAAAAAAAAAAAAu+DjDP///wgAAAAAAAAAAAAAAAAAAAAAAAAAAAAAAAAAAAAAZAAAAAEAAABAAAAAAAAAAAAAAAAAAAAAAAAAAAAAAAAAAAAAAAAAAAAAAAAAAAAAAAAAAAAAAAAAAAAAAAAAAAAAAAAAAAAAAAAAAAAAAAAAAAAAAAAAAAAAAAAAAAAAFAAAADwAAAAAAAAAAAAAAAAAAAkUAAAAAQAAABQAAAAUAAAAFAAAAAEAAAAAAAAAZAAAAGQAAAAAAAAAZAAAAGQAAAAVAAAAYAAAAAAAAAAAAAAADwAAACADAAAAAAAAAAAAAAEAAACgMgAAVgcAAKr4//8BAAAAf39/AAEAAABkAAAAAAAAABQAAABAHwAAAAAAACYAAAAAAAAAwOD//wAAAAAmAAAAZAAAABYAAABMAAAAAAAAAAAAAAAEAAAAAAAAAAEAAACAgIAKAAAAACgAAAAoAAAAZAAAAGQAAAAAAAAAzMzMAAAAAABQAAAAUAAAAGQAAABkAAAAAAAAABcAAAAUAAAAAAAAAAAAAAD/fwAA/38AAAAAAAAJAAAABAAAAAAAAAAMAAAAEAAAAAAAAAAAAAAAAAAAAAAAAAAeAAAAaAAAAAAAAAAAAAAAAAAAAAAAAAAAAAAAECcAABAnAAAAAAAAAAAAAAAAAAAAAAAAAAAAAAAAAAAAAAAAAAAAABQAAAAAAAAAwMD/AAAAAABkAAAAMgAAAAAAAABkAAAAAAAAAH9/fwAKAAAAHwAAAFQAAAAAAAAFAAAAAQAAAAAAAAAAAAAAAAAAAAAAAAAAAAAAAAAAAAAAAAAAAAAAAn9/fwAAAAADzMzMAMDA/wB/f38AAAAAAAAAAAAAAAAAAAAAAAAAAAAhAAAAGAAAABQAAADQAgAAsAEAAHA1AAC4CAAAEAAAACYAAAAIAAAAAAAAAAAAAAA="/>
+                <pr:smNativeData xmlns:pr="smNativeData" val="SMDATA_13_B6msYxMAAAAlAAAAZAAAAA8BAAAAkAAAAEgAAACQAAAASAAAAAAAAAABAAAAAAAAAAEAAABQAAAAAAAAAAAA4D8AAAAAAADgPwAAAAAAAOA/AAAAAAAA4D8AAAAAAADgPwAAAAAAAOA/AAAAAAAA4D8AAAAAAADgPwAAAAAAAOA/AAAAAAAA4D8CAAAAjAAAAAAAAAAAAAAAu+DjDP///wgAAAAAAAAAAAAAAAAAAAAAAAAAAAAAAAAAAAAAZAAAAAEAAABAAAAAAAAAAAAAAAAAAAAAAAAAAAAAAAAAAAAAAAAAAAAAAAAAAAAAAAAAAAAAAAAAAAAAAAAAAAAAAAAAAAAAAAAAAAAAAAAAAAAAAAAAAAAAAAAAAAAAFAAAADwAAAAAAAAAAAAAAAAAAAkUAAAAAQAAABQAAAAUAAAAFAAAAAEAAAAAAAAAZAAAAGQAAAAAAAAAZAAAAGQAAAAVAAAAYAAAAAAAAAAAAAAADwAAACADAAAAAAAAAAAAAAEAAACgMgAAVgcAAKr4//8BAAAAf39/AAEAAABkAAAAAAAAABQAAABAHwAAAAAAACYAAAAAAAAAwOD//wAAAAAmAAAAZAAAABYAAABMAAAAAAAAAAAAAAAEAAAAAAAAAAEAAACAgIAKAAAAACgAAAAoAAAAZAAAAGQAAAAAAAAAzMzMAAAAAABQAAAAUAAAAGQAAABkAAAAAAAAABcAAAAUAAAAAAAAAAAAAAD/fwAA/38AAAAAAAAJAAAABAAAAAAAAAAMAAAAEAAAAAAAAAAAAAAAAAAAAAAAAAAeAAAAaAAAAAAAAAAAAAAAAAAAAAAAAAAAAAAAECcAABAnAAAAAAAAAAAAAAAAAAAAAAAAAAAAAAAAAAAAAAAAAAAAABQAAAAAAAAAwMD/AAAAAABkAAAAMgAAAAAAAABkAAAAAAAAAH9/fwAKAAAAHwAAAFQAAAAAAAAFAAAAAQAAAAAAAAAAAAAAAAAAAAAAAAAAAAAAAAAAAAAAAAAAAAAAAn9/fwAAAAADzMzMAMDA/wB/f38AAAAAAAAAAAAAAAAAAAAAAAAAAAAhAAAAGAAAABQAAADQAgAAsAEAAHA1AAC4CAAAEAAAACYAAAAIAAAAAAAAAAAAAAA="/>
               </a:ext>
             </a:extLst>
           </p:cNvSpPr>
@@ -1985,7 +1986,7 @@
             <a:spLocks noGrp="1" noChangeArrowheads="1"/>
             <a:extLst>
               <a:ext uri="smNativeData">
-                <pr:smNativeData xmlns:pr="smNativeData" val="SMDATA_13_cFGrYxMAAAAlAAAAZAAAAA8BAAAAkAAAAEgAAACQAAAASAAAAAAAAAABAAAAAAAAAAEAAABQAAAAAAAAAAAA4D8AAAAAAADgPwAAAAAAAOA/AAAAAAAA4D8AAAAAAADgPwAAAAAAAOA/AAAAAAAA4D8AAAAAAADgPwAAAAAAAOA/AAAAAAAA4D8CAAAAjAAAAAAAAAAAAAAAu+DjDP///wgAAAAAAAAAAAAAAAAAAAAAAAAAAAAAAAAAAAAAZAAAAAEAAABAAAAAAAAAAAAAAAAAAAAAAAAAAAAAAAAAAAAAAAAAAAAAAAAAAAAAAAAAAAAAAAAAAAAAAAAAAAAAAAAAAAAAAAAAAAAAAAAAAAAAAAAAAAAAAAAAAAAAFAAAADwAAAAAAAAAAAAAAAAAAAkUAAAAAQAAABQAAAAUAAAAFAAAAAEAAAAAAAAAZAAAAGQAAAAAAAAAZAAAAGQAAAAVAAAAYAAAAAAAAAAAAAAADwAAACADAAAAAAAAAAAAAAEAAACgMgAAVgcAAKr4//8BAAAAf39/AAEAAABkAAAAAAAAABQAAABAHwAAAAAAACYAAAAAAAAAwOD//wAAAAAmAAAAZAAAABYAAABMAAAAAAAAAAAAAAAEAAAAAAAAAAEAAACAgIAKAAAAACgAAAAoAAAAZAAAAGQAAAAAAAAAzMzMAAAAAABQAAAAUAAAAGQAAABkAAAAAAAAABcAAAAUAAAAAAAAAAAAAAD/fwAA/38AAAAAAAAJAAAABAAAAAAAAAAMAAAAEAAAAAAAAAAAAAAAAAAAAAAAAAAeAAAAaAAAAAAAAAAAAAAAAAAAAAAAAAAAAAAAECcAABAnAAAAAAAAAAAAAAAAAAAAAAAAAAAAAAAAAAAAAAAAAAAAABQAAAAAAAAAwMD/AAAAAABkAAAAMgAAAAAAAABkAAAAAAAAAH9/fwAKAAAAHwAAAFQAAAAAAAAFAAAAAQAAAAAAAAAAAAAAAAAAAAAAAAAAAAAAAAAAAAAAAAAAAAAAAn9/fwAAAAADzMzMAMDA/wB/f38AAAAAAAAAAAAAAAAAAAAAAAAAAAAhAAAAGAAAABQAAADQAgAAGycAAPAPAABZKQAAEAAAACYAAAAIAAAAAAAAAAAAAAA="/>
+                <pr:smNativeData xmlns:pr="smNativeData" val="SMDATA_13_B6msYxMAAAAlAAAAZAAAAA8BAAAAkAAAAEgAAACQAAAASAAAAAAAAAABAAAAAAAAAAEAAABQAAAAAAAAAAAA4D8AAAAAAADgPwAAAAAAAOA/AAAAAAAA4D8AAAAAAADgPwAAAAAAAOA/AAAAAAAA4D8AAAAAAADgPwAAAAAAAOA/AAAAAAAA4D8CAAAAjAAAAAAAAAAAAAAAu+DjDP///wgAAAAAAAAAAAAAAAAAAAAAAAAAAAAAAAAAAAAAZAAAAAEAAABAAAAAAAAAAAAAAAAAAAAAAAAAAAAAAAAAAAAAAAAAAAAAAAAAAAAAAAAAAAAAAAAAAAAAAAAAAAAAAAAAAAAAAAAAAAAAAAAAAAAAAAAAAAAAAAAAAAAAFAAAADwAAAAAAAAAAAAAAAAAAAkUAAAAAQAAABQAAAAUAAAAFAAAAAEAAAAAAAAAZAAAAGQAAAAAAAAAZAAAAGQAAAAVAAAAYAAAAAAAAAAAAAAADwAAACADAAAAAAAAAAAAAAEAAACgMgAAVgcAAKr4//8BAAAAf39/AAEAAABkAAAAAAAAABQAAABAHwAAAAAAACYAAAAAAAAAwOD//wAAAAAmAAAAZAAAABYAAABMAAAAAAAAAAAAAAAEAAAAAAAAAAEAAACAgIAKAAAAACgAAAAoAAAAZAAAAGQAAAAAAAAAzMzMAAAAAABQAAAAUAAAAGQAAABkAAAAAAAAABcAAAAUAAAAAAAAAAAAAAD/fwAA/38AAAAAAAAJAAAABAAAAAAAAAAMAAAAEAAAAAAAAAAAAAAAAAAAAAAAAAAeAAAAaAAAAAAAAAAAAAAAAAAAAAAAAAAAAAAAECcAABAnAAAAAAAAAAAAAAAAAAAAAAAAAAAAAAAAAAAAAAAAAAAAABQAAAAAAAAAwMD/AAAAAABkAAAAMgAAAAAAAABkAAAAAAAAAH9/fwAKAAAAHwAAAFQAAAAAAAAFAAAAAQAAAAAAAAAAAAAAAAAAAAAAAAAAAAAAAAAAAAAAAAAAAAAAAn9/fwAAAAADzMzMAMDA/wB/f38AAAAAAAAAAAAAAAAAAAAAAAAAAAAhAAAAGAAAABQAAADQAgAAGycAAPAPAABZKQAAEAAAACYAAAAIAAAAAAAAAAAAAAA="/>
               </a:ext>
             </a:extLst>
           </p:cNvSpPr>
@@ -1999,7 +2000,7 @@
           <a:lstStyle/>
           <a:p>
             <a:pPr/>
-            <a:fld id="{21E7BB0B-45CC-B24D-825F-B318F51174E6}" type="datetime1">
+            <a:fld id="{1CA1944D-03F1-F462-BF19-F537DA5749A0}" type="datetime1">
               <a:t/>
             </a:fld>
           </a:p>
@@ -2012,7 +2013,7 @@
             <a:spLocks noGrp="1" noChangeArrowheads="1"/>
             <a:extLst>
               <a:ext uri="smNativeData">
-                <pr:smNativeData xmlns:pr="smNativeData" val="SMDATA_13_cFGrYxMAAAAlAAAAZAAAAA8BAAAAkAAAAEgAAACQAAAASAAAAAAAAAABAAAAAAAAAAEAAABQAAAAAAAAAAAA4D8AAAAAAADgPwAAAAAAAOA/AAAAAAAA4D8AAAAAAADgPwAAAAAAAOA/AAAAAAAA4D8AAAAAAADgPwAAAAAAAOA/AAAAAAAA4D8CAAAAjAAAAAAAAAAAAAAAu+DjDP///wgAAAAAAAAAAAAAAAAAAAAAAAAAAAAAAAAAAAAAZAAAAAEAAABAAAAAAAAAAAAAAAAAAAAAAAAAAAAAAAAAAAAAAAAAAAAAAAAAAAAAAAAAAAAAAAAAAAAAAAAAAAAAAAAAAAAAAAAAAAAAAAAAAAAAAAAAAAAAAAAAAAAAFAAAADwAAAAAAAAAAAAAAAAAAAkUAAAAAQAAABQAAAAUAAAAFAAAAAEAAAAAAAAAZAAAAGQAAAAAAAAAZAAAAGQAAAAVAAAAYAAAAAAAAAAAAAAADwAAACADAAAAAAAAAAAAAAEAAACgMgAAVgcAAKr4//8BAAAAf39/AAEAAABkAAAAAAAAABQAAABAHwAAAAAAACYAAAAAAAAAwOD//wAAAAAmAAAAZAAAABYAAABMAAAAAAAAAAAAAAAEAAAAAAAAAAEAAACAgIAKAAAAACgAAAAoAAAAZAAAAGQAAAAAAAAAzMzMAAAAAABQAAAAUAAAAGQAAABkAAAAAAAAABcAAAAUAAAAAAAAAAAAAAD/fwAA/38AAAAAAAAJAAAABAAAAAAAAAAMAAAAEAAAAAAAAAAAAAAAAAAAAAAAAAAeAAAAaAAAAAAAAAAAAAAAAAAAAAAAAAAAAAAAECcAABAnAAAAAAAAAAAAAAAAAAAAAAAAAAAAAAAAAAAAAAAAAAAAABQAAAAAAAAAwMD/AAAAAABkAAAAMgAAAAAAAABkAAAAAAAAAH9/fwAKAAAAHwAAAFQAAAAAAAAFAAAAAQAAAAAAAAAAAAAAAAAAAAAAAAAAAAAAAAAAAAAAAAAAAAAAAn9/fwAAAAADzMzMAMDA/wB/f38AAAAAAAAAAAAAAAAAAAAAAAAAAAAhAAAAGAAAABQAAAA4EwAAGycAAAglAABZKQAAEAAAACYAAAAIAAAAAAAAAAAAAAA="/>
+                <pr:smNativeData xmlns:pr="smNativeData" val="SMDATA_13_B6msYxMAAAAlAAAAZAAAAA8BAAAAkAAAAEgAAACQAAAASAAAAAAAAAABAAAAAAAAAAEAAABQAAAAAAAAAAAA4D8AAAAAAADgPwAAAAAAAOA/AAAAAAAA4D8AAAAAAADgPwAAAAAAAOA/AAAAAAAA4D8AAAAAAADgPwAAAAAAAOA/AAAAAAAA4D8CAAAAjAAAAAAAAAAAAAAAu+DjDP///wgAAAAAAAAAAAAAAAAAAAAAAAAAAAAAAAAAAAAAZAAAAAEAAABAAAAAAAAAAAAAAAAAAAAAAAAAAAAAAAAAAAAAAAAAAAAAAAAAAAAAAAAAAAAAAAAAAAAAAAAAAAAAAAAAAAAAAAAAAAAAAAAAAAAAAAAAAAAAAAAAAAAAFAAAADwAAAAAAAAAAAAAAAAAAAkUAAAAAQAAABQAAAAUAAAAFAAAAAEAAAAAAAAAZAAAAGQAAAAAAAAAZAAAAGQAAAAVAAAAYAAAAAAAAAAAAAAADwAAACADAAAAAAAAAAAAAAEAAACgMgAAVgcAAKr4//8BAAAAf39/AAEAAABkAAAAAAAAABQAAABAHwAAAAAAACYAAAAAAAAAwOD//wAAAAAmAAAAZAAAABYAAABMAAAAAAAAAAAAAAAEAAAAAAAAAAEAAACAgIAKAAAAACgAAAAoAAAAZAAAAGQAAAAAAAAAzMzMAAAAAABQAAAAUAAAAGQAAABkAAAAAAAAABcAAAAUAAAAAAAAAAAAAAD/fwAA/38AAAAAAAAJAAAABAAAAAAAAAAMAAAAEAAAAAAAAAAAAAAAAAAAAAAAAAAeAAAAaAAAAAAAAAAAAAAAAAAAAAAAAAAAAAAAECcAABAnAAAAAAAAAAAAAAAAAAAAAAAAAAAAAAAAAAAAAAAAAAAAABQAAAAAAAAAwMD/AAAAAABkAAAAMgAAAAAAAABkAAAAAAAAAH9/fwAKAAAAHwAAAFQAAAAAAAAFAAAAAQAAAAAAAAAAAAAAAAAAAAAAAAAAAAAAAAAAAAAAAAAAAAAAAn9/fwAAAAADzMzMAMDA/wB/f38AAAAAAAAAAAAAAAAAAAAAAAAAAAAhAAAAGAAAABQAAAA4EwAAGycAAAglAABZKQAAEAAAACYAAAAIAAAAAAAAAAAAAAA="/>
               </a:ext>
             </a:extLst>
           </p:cNvSpPr>
@@ -2036,7 +2037,7 @@
             <a:spLocks noGrp="1" noChangeArrowheads="1"/>
             <a:extLst>
               <a:ext uri="smNativeData">
-                <pr:smNativeData xmlns:pr="smNativeData" val="SMDATA_13_cFGrYxMAAAAlAAAAZAAAAA8BAAAAkAAAAEgAAACQAAAASAAAAAAAAAABAAAAAAAAAAEAAABQAAAAAAAAAAAA4D8AAAAAAADgPwAAAAAAAOA/AAAAAAAA4D8AAAAAAADgPwAAAAAAAOA/AAAAAAAA4D8AAAAAAADgPwAAAAAAAOA/AAAAAAAA4D8CAAAAjAAAAAAAAAAAAAAAu+DjDP///wgAAAAAAAAAAAAAAAAAAAAAAAAAAAAAAAAAAAAAZAAAAAEAAABAAAAAAAAAAAAAAAAAAAAAAAAAAAAAAAAAAAAAAAAAAAAAAAAAAAAAAAAAAAAAAAAAAAAAAAAAAAAAAAAAAAAAAAAAAAAAAAAAAAAAAAAAAAAAAAAAAAAAFAAAADwAAAAAAAAAAAAAAAAAAAkUAAAAAQAAABQAAAAUAAAAFAAAAAEAAAAAAAAAZAAAAGQAAAAAAAAAZAAAAGQAAAAVAAAAYAAAAAAAAAAAAAAADwAAACADAAAAAAAAAAAAAAEAAACgMgAAVgcAAKr4//8BAAAAf39/AAEAAABkAAAAAAAAABQAAABAHwAAAAAAACYAAAAAAAAAwOD//wAAAAAmAAAAZAAAABYAAABMAAAAAAAAAAAAAAAEAAAAAAAAAAEAAACAgIAKAAAAACgAAAAoAAAAZAAAAGQAAAAAAAAAzMzMAAAAAABQAAAAUAAAAGQAAABkAAAAAAAAABcAAAAUAAAAAAAAAAAAAAD/fwAA/38AAAAAAAAJAAAABAAAAAAAAAAMAAAAEAAAAAAAAAAAAAAAAAAAAAAAAAAeAAAAaAAAAAAAAAAAAAAAAAAAAAAAAAAAAAAAECcAABAnAAAAAAAAAAAAAAAAAAAAAAAAAAAAAAAAAAAAAAAAAAAAABQAAAAAAAAAwMD/AAAAAABkAAAAMgAAAAAAAABkAAAAAAAAAH9/fwAKAAAAHwAAAFQAAAAAAAAFAAAAAQAAAAAAAAAAAAAAAAAAAAAAAAAAAAAAAAAAAAAAAAAAAAAAAn9/fwAAAAADzMzMAMDA/wB/f38AAAAAAAAAAAAAAAAAAAAAAAAAAAAhAAAAGAAAABQAAABQKAAAGycAAHA1AABZKQAAEAAAACYAAAAIAAAAAAAAAAAAAAA="/>
+                <pr:smNativeData xmlns:pr="smNativeData" val="SMDATA_13_B6msYxMAAAAlAAAAZAAAAA8BAAAAkAAAAEgAAACQAAAASAAAAAAAAAABAAAAAAAAAAEAAABQAAAAAAAAAAAA4D8AAAAAAADgPwAAAAAAAOA/AAAAAAAA4D8AAAAAAADgPwAAAAAAAOA/AAAAAAAA4D8AAAAAAADgPwAAAAAAAOA/AAAAAAAA4D8CAAAAjAAAAAAAAAAAAAAAu+DjDP///wgAAAAAAAAAAAAAAAAAAAAAAAAAAAAAAAAAAAAAZAAAAAEAAABAAAAAAAAAAAAAAAAAAAAAAAAAAAAAAAAAAAAAAAAAAAAAAAAAAAAAAAAAAAAAAAAAAAAAAAAAAAAAAAAAAAAAAAAAAAAAAAAAAAAAAAAAAAAAAAAAAAAAFAAAADwAAAAAAAAAAAAAAAAAAAkUAAAAAQAAABQAAAAUAAAAFAAAAAEAAAAAAAAAZAAAAGQAAAAAAAAAZAAAAGQAAAAVAAAAYAAAAAAAAAAAAAAADwAAACADAAAAAAAAAAAAAAEAAACgMgAAVgcAAKr4//8BAAAAf39/AAEAAABkAAAAAAAAABQAAABAHwAAAAAAACYAAAAAAAAAwOD//wAAAAAmAAAAZAAAABYAAABMAAAAAAAAAAAAAAAEAAAAAAAAAAEAAACAgIAKAAAAACgAAAAoAAAAZAAAAGQAAAAAAAAAzMzMAAAAAABQAAAAUAAAAGQAAABkAAAAAAAAABcAAAAUAAAAAAAAAAAAAAD/fwAA/38AAAAAAAAJAAAABAAAAAAAAAAMAAAAEAAAAAAAAAAAAAAAAAAAAAAAAAAeAAAAaAAAAAAAAAAAAAAAAAAAAAAAAAAAAAAAECcAABAnAAAAAAAAAAAAAAAAAAAAAAAAAAAAAAAAAAAAAAAAAAAAABQAAAAAAAAAwMD/AAAAAABkAAAAMgAAAAAAAABkAAAAAAAAAH9/fwAKAAAAHwAAAFQAAAAAAAAFAAAAAQAAAAAAAAAAAAAAAAAAAAAAAAAAAAAAAAAAAAAAAAAAAAAAAn9/fwAAAAADzMzMAMDA/wB/f38AAAAAAAAAAAAAAAAAAAAAAAAAAAAhAAAAGAAAABQAAABQKAAAGycAAHA1AABZKQAAEAAAACYAAAAIAAAAAAAAAAAAAAA="/>
               </a:ext>
             </a:extLst>
           </p:cNvSpPr>
@@ -2050,7 +2051,7 @@
           <a:lstStyle/>
           <a:p>
             <a:pPr/>
-            <a:fld id="{21E78A8A-C4CC-B27C-825F-3229C4117467}" type="slidenum">
+            <a:fld id="{1CA19AA6-E8F1-F46C-BF19-1E39D457494B}" type="slidenum">
               <a:t/>
             </a:fld>
           </a:p>
@@ -2088,7 +2089,7 @@
             <a:spLocks noGrp="1" noChangeArrowheads="1"/>
             <a:extLst>
               <a:ext uri="smNativeData">
-                <pr:smNativeData xmlns:pr="smNativeData" val="SMDATA_13_cFGrYxMAAAAlAAAAZAAAAA8BAAAAkAAAAEgAAACQAAAASAAAAAAAAAABAAAAAAAAAAEAAABQAAAAAAAAAAAA4D8AAAAAAADgPwAAAAAAAOA/AAAAAAAA4D8AAAAAAADgPwAAAAAAAOA/AAAAAAAA4D8AAAAAAADgPwAAAAAAAOA/AAAAAAAA4D8CAAAAjAAAAAAAAAAAAAAAu+DjDP///wgAAAAAAAAAAAAAAAAAAAAAAAAAAAAAAAAAAAAAZAAAAAEAAABAAAAAAAAAAAAAAAAAAAAAAAAAAAAAAAAAAAAAAAAAAAAAAAAAAAAAAAAAAAAAAAAAAAAAAAAAAAAAAAAAAAAAAAAAAAAAAAAAAAAAAAAAAAAAAAAAAAAAFAAAADwAAAAAAAAAAAAAAAAAAAkUAAAAAQAAABQAAAAUAAAAFAAAAAEAAAAAAAAAZAAAAGQAAAAAAAAAZAAAAGQAAAAVAAAAYAAAAAAAAAAAAAAADwAAACADAAAAAAAAAAAAAAEAAACgMgAAVgcAAKr4//8BAAAAf39/AAEAAABkAAAAAAAAABQAAABAHwAAAAAAACYAAAAAAAAAwOD//wAAAAAmAAAAZAAAABYAAABMAAAAAAAAAAAAAAAEAAAAAAAAAAEAAACAgIAKAAAAACgAAAAoAAAAZAAAAGQAAAAAAAAAzMzMAAAAAABQAAAAUAAAAGQAAABkAAAAAAAAABcAAAAUAAAAAAAAAAAAAAD/fwAA/38AAAAAAAAJAAAABAAAAAAAAAAMAAAAEAAAAAAAAAAAAAAAAAAAAAAAAAAeAAAAaAAAAAAAAAAAAAAAAAAAAAAAAAAAAAAAECcAABAnAAAAAAAAAAAAAAAAAAAAAAAAAAAAAAAAAAAAAAAAAAAAABQAAAAAAAAAwMD/AAAAAABkAAAAMgAAAAAAAABkAAAAAAAAAH9/fwAKAAAAHwAAAFQAAAAAAAAFAAAAAQAAAAAAAAAAAAAAAAAAAAAAAAAAAAAAAAAAAAAAAAAAAAAAAn9/fwAAAAADzMzMAMDA/wB/f38AAAAAAAAAAAAAAAAAAAAAAAAAAAAhAAAAGAAAABQAAADQAgAAGycAAPAPAABZKQAAEAAAACYAAAAIAAAAAAAAAAAAAAA="/>
+                <pr:smNativeData xmlns:pr="smNativeData" val="SMDATA_13_B6msYxMAAAAlAAAAZAAAAA8BAAAAkAAAAEgAAACQAAAASAAAAAAAAAABAAAAAAAAAAEAAABQAAAAAAAAAAAA4D8AAAAAAADgPwAAAAAAAOA/AAAAAAAA4D8AAAAAAADgPwAAAAAAAOA/AAAAAAAA4D8AAAAAAADgPwAAAAAAAOA/AAAAAAAA4D8CAAAAjAAAAAAAAAAAAAAAu+DjDP///wgAAAAAAAAAAAAAAAAAAAAAAAAAAAAAAAAAAAAAZAAAAAEAAABAAAAAAAAAAAAAAAAAAAAAAAAAAAAAAAAAAAAAAAAAAAAAAAAAAAAAAAAAAAAAAAAAAAAAAAAAAAAAAAAAAAAAAAAAAAAAAAAAAAAAAAAAAAAAAAAAAAAAFAAAADwAAAAAAAAAAAAAAAAAAAkUAAAAAQAAABQAAAAUAAAAFAAAAAEAAAAAAAAAZAAAAGQAAAAAAAAAZAAAAGQAAAAVAAAAYAAAAAAAAAAAAAAADwAAACADAAAAAAAAAAAAAAEAAACgMgAAVgcAAKr4//8BAAAAf39/AAEAAABkAAAAAAAAABQAAABAHwAAAAAAACYAAAAAAAAAwOD//wAAAAAmAAAAZAAAABYAAABMAAAAAAAAAAAAAAAEAAAAAAAAAAEAAACAgIAKAAAAACgAAAAoAAAAZAAAAGQAAAAAAAAAzMzMAAAAAABQAAAAUAAAAGQAAABkAAAAAAAAABcAAAAUAAAAAAAAAAAAAAD/fwAA/38AAAAAAAAJAAAABAAAAAAAAAAMAAAAEAAAAAAAAAAAAAAAAAAAAAAAAAAeAAAAaAAAAAAAAAAAAAAAAAAAAAAAAAAAAAAAECcAABAnAAAAAAAAAAAAAAAAAAAAAAAAAAAAAAAAAAAAAAAAAAAAABQAAAAAAAAAwMD/AAAAAABkAAAAMgAAAAAAAABkAAAAAAAAAH9/fwAKAAAAHwAAAFQAAAAAAAAFAAAAAQAAAAAAAAAAAAAAAAAAAAAAAAAAAAAAAAAAAAAAAAAAAAAAAn9/fwAAAAADzMzMAMDA/wB/f38AAAAAAAAAAAAAAAAAAAAAAAAAAAAhAAAAGAAAABQAAADQAgAAGycAAPAPAABZKQAAEAAAACYAAAAIAAAAAAAAAAAAAAA="/>
               </a:ext>
             </a:extLst>
           </p:cNvSpPr>
@@ -2102,7 +2103,7 @@
           <a:lstStyle/>
           <a:p>
             <a:pPr/>
-            <a:fld id="{21E7B62A-64CC-B240-825F-9215F81174C7}" type="datetime1">
+            <a:fld id="{1CA18F5C-12F1-F479-BF19-E42CC15749B1}" type="datetime1">
               <a:t/>
             </a:fld>
           </a:p>
@@ -2115,7 +2116,7 @@
             <a:spLocks noGrp="1" noChangeArrowheads="1"/>
             <a:extLst>
               <a:ext uri="smNativeData">
-                <pr:smNativeData xmlns:pr="smNativeData" val="SMDATA_13_cFGrYxMAAAAlAAAAZAAAAA8BAAAAkAAAAEgAAACQAAAASAAAAAAAAAABAAAAAAAAAAEAAABQAAAAAAAAAAAA4D8AAAAAAADgPwAAAAAAAOA/AAAAAAAA4D8AAAAAAADgPwAAAAAAAOA/AAAAAAAA4D8AAAAAAADgPwAAAAAAAOA/AAAAAAAA4D8CAAAAjAAAAAAAAAAAAAAAu+DjDP///wgAAAAAAAAAAAAAAAAAAAAAAAAAAAAAAAAAAAAAZAAAAAEAAABAAAAAAAAAAAAAAAAAAAAAAAAAAAAAAAAAAAAAAAAAAAAAAAAAAAAAAAAAAAAAAAAAAAAAAAAAAAAAAAAAAAAAAAAAAAAAAAAAAAAAAAAAAAAAAAAAAAAAFAAAADwAAAAAAAAAAAAAAAAAAAkUAAAAAQAAABQAAAAUAAAAFAAAAAEAAAAAAAAAZAAAAGQAAAAAAAAAZAAAAGQAAAAVAAAAYAAAAAAAAAAAAAAADwAAACADAAAAAAAAAAAAAAEAAACgMgAAVgcAAKr4//8BAAAAf39/AAEAAABkAAAAAAAAABQAAABAHwAAAAAAACYAAAAAAAAAwOD//wAAAAAmAAAAZAAAABYAAABMAAAAAAAAAAAAAAAEAAAAAAAAAAEAAACAgIAKAAAAACgAAAAoAAAAZAAAAGQAAAAAAAAAzMzMAAAAAABQAAAAUAAAAGQAAABkAAAAAAAAABcAAAAUAAAAAAAAAAAAAAD/fwAA/38AAAAAAAAJAAAABAAAAAAAAAAMAAAAEAAAAAAAAAAAAAAAAAAAAAAAAAAeAAAAaAAAAAAAAAAAAAAAAAAAAAAAAAAAAAAAECcAABAnAAAAAAAAAAAAAAAAAAAAAAAAAAAAAAAAAAAAAAAAAAAAABQAAAAAAAAAwMD/AAAAAABkAAAAMgAAAAAAAABkAAAAAAAAAH9/fwAKAAAAHwAAAFQAAAAAAAAFAAAAAQAAAAAAAAAAAAAAAAAAAAAAAAAAAAAAAAAAAAAAAAAAAAAAAn9/fwAAAAADzMzMAMDA/wB/f38AAAAAAAAAAAAAAAAAAAAAAAAAAAAhAAAAGAAAABQAAAA4EwAAGycAAAglAABZKQAAEAAAACYAAAAIAAAAAAAAAAAAAAA="/>
+                <pr:smNativeData xmlns:pr="smNativeData" val="SMDATA_13_B6msYxMAAAAlAAAAZAAAAA8BAAAAkAAAAEgAAACQAAAASAAAAAAAAAABAAAAAAAAAAEAAABQAAAAAAAAAAAA4D8AAAAAAADgPwAAAAAAAOA/AAAAAAAA4D8AAAAAAADgPwAAAAAAAOA/AAAAAAAA4D8AAAAAAADgPwAAAAAAAOA/AAAAAAAA4D8CAAAAjAAAAAAAAAAAAAAAu+DjDP///wgAAAAAAAAAAAAAAAAAAAAAAAAAAAAAAAAAAAAAZAAAAAEAAABAAAAAAAAAAAAAAAAAAAAAAAAAAAAAAAAAAAAAAAAAAAAAAAAAAAAAAAAAAAAAAAAAAAAAAAAAAAAAAAAAAAAAAAAAAAAAAAAAAAAAAAAAAAAAAAAAAAAAFAAAADwAAAAAAAAAAAAAAAAAAAkUAAAAAQAAABQAAAAUAAAAFAAAAAEAAAAAAAAAZAAAAGQAAAAAAAAAZAAAAGQAAAAVAAAAYAAAAAAAAAAAAAAADwAAACADAAAAAAAAAAAAAAEAAACgMgAAVgcAAKr4//8BAAAAf39/AAEAAABkAAAAAAAAABQAAABAHwAAAAAAACYAAAAAAAAAwOD//wAAAAAmAAAAZAAAABYAAABMAAAAAAAAAAAAAAAEAAAAAAAAAAEAAACAgIAKAAAAACgAAAAoAAAAZAAAAGQAAAAAAAAAzMzMAAAAAABQAAAAUAAAAGQAAABkAAAAAAAAABcAAAAUAAAAAAAAAAAAAAD/fwAA/38AAAAAAAAJAAAABAAAAAAAAAAMAAAAEAAAAAAAAAAAAAAAAAAAAAAAAAAeAAAAaAAAAAAAAAAAAAAAAAAAAAAAAAAAAAAAECcAABAnAAAAAAAAAAAAAAAAAAAAAAAAAAAAAAAAAAAAAAAAAAAAABQAAAAAAAAAwMD/AAAAAABkAAAAMgAAAAAAAABkAAAAAAAAAH9/fwAKAAAAHwAAAFQAAAAAAAAFAAAAAQAAAAAAAAAAAAAAAAAAAAAAAAAAAAAAAAAAAAAAAAAAAAAAAn9/fwAAAAADzMzMAMDA/wB/f38AAAAAAAAAAAAAAAAAAAAAAAAAAAAhAAAAGAAAABQAAAA4EwAAGycAAAglAABZKQAAEAAAACYAAAAIAAAAAAAAAAAAAAA="/>
               </a:ext>
             </a:extLst>
           </p:cNvSpPr>
@@ -2139,7 +2140,7 @@
             <a:spLocks noGrp="1" noChangeArrowheads="1"/>
             <a:extLst>
               <a:ext uri="smNativeData">
-                <pr:smNativeData xmlns:pr="smNativeData" val="SMDATA_13_cFGrYxMAAAAlAAAAZAAAAA8BAAAAkAAAAEgAAACQAAAASAAAAAAAAAABAAAAAAAAAAEAAABQAAAAAAAAAAAA4D8AAAAAAADgPwAAAAAAAOA/AAAAAAAA4D8AAAAAAADgPwAAAAAAAOA/AAAAAAAA4D8AAAAAAADgPwAAAAAAAOA/AAAAAAAA4D8CAAAAjAAAAAAAAAAAAAAAu+DjDP///wgAAAAAAAAAAAAAAAAAAAAAAAAAAAAAAAAAAAAAZAAAAAEAAABAAAAAAAAAAAAAAAAAAAAAAAAAAAAAAAAAAAAAAAAAAAAAAAAAAAAAAAAAAAAAAAAAAAAAAAAAAAAAAAAAAAAAAAAAAAAAAAAAAAAAAAAAAAAAAAAAAAAAFAAAADwAAAAAAAAAAAAAAAAAAAkUAAAAAQAAABQAAAAUAAAAFAAAAAEAAAAAAAAAZAAAAGQAAAAAAAAAZAAAAGQAAAAVAAAAYAAAAAAAAAAAAAAADwAAACADAAAAAAAAAAAAAAEAAACgMgAAVgcAAKr4//8BAAAAf39/AAEAAABkAAAAAAAAABQAAABAHwAAAAAAACYAAAAAAAAAwOD//wAAAAAmAAAAZAAAABYAAABMAAAAAAAAAAAAAAAEAAAAAAAAAAEAAACAgIAKAAAAACgAAAAoAAAAZAAAAGQAAAAAAAAAzMzMAAAAAABQAAAAUAAAAGQAAABkAAAAAAAAABcAAAAUAAAAAAAAAAAAAAD/fwAA/38AAAAAAAAJAAAABAAAADIAAAAMAAAAEAAAAAAAAAAAAAAAAAAAAAAAAAAeAAAAaAAAAAAAAAAAAAAAAAAAAAAAAAAAAAAAECcAABAnAAAAAAAAAAAAAAAAAAAAAAAAAAAAAAAAAAAAAAAAAAAAABQAAAAAAAAAwMD/AAAAAABkAAAAMgAAAAAAAABkAAAAAAAAAH9/fwAKAAAAHwAAAFQAAAAAAAAFAAAAAQAAAAAAAAAAAAAAAAAAAAAAAAAAAAAAAAAAAAAAAAAAAAAAAn9/fwAAAAADzMzMAMDA/wB/f38AAAAAAAAAAAAAAAAAAAAAAAAAAAAhAAAAGAAAABQAAABQKAAAGycAAHA1AABZKQAAEAAAACYAAAAIAAAAAAAAAAAAAAA="/>
+                <pr:smNativeData xmlns:pr="smNativeData" val="SMDATA_13_B6msYxMAAAAlAAAAZAAAAA8BAAAAkAAAAEgAAACQAAAASAAAAAAAAAABAAAAAAAAAAEAAABQAAAAAAAAAAAA4D8AAAAAAADgPwAAAAAAAOA/AAAAAAAA4D8AAAAAAADgPwAAAAAAAOA/AAAAAAAA4D8AAAAAAADgPwAAAAAAAOA/AAAAAAAA4D8CAAAAjAAAAAAAAAAAAAAAu+DjDP///wgAAAAAAAAAAAAAAAAAAAAAAAAAAAAAAAAAAAAAZAAAAAEAAABAAAAAAAAAAAAAAAAAAAAAAAAAAAAAAAAAAAAAAAAAAAAAAAAAAAAAAAAAAAAAAAAAAAAAAAAAAAAAAAAAAAAAAAAAAAAAAAAAAAAAAAAAAAAAAAAAAAAAFAAAADwAAAAAAAAAAAAAAAAAAAkUAAAAAQAAABQAAAAUAAAAFAAAAAEAAAAAAAAAZAAAAGQAAAAAAAAAZAAAAGQAAAAVAAAAYAAAAAAAAAAAAAAADwAAACADAAAAAAAAAAAAAAEAAACgMgAAVgcAAKr4//8BAAAAf39/AAEAAABkAAAAAAAAABQAAABAHwAAAAAAACYAAAAAAAAAwOD//wAAAAAmAAAAZAAAABYAAABMAAAAAAAAAAAAAAAEAAAAAAAAAAEAAACAgIAKAAAAACgAAAAoAAAAZAAAAGQAAAAAAAAAzMzMAAAAAABQAAAAUAAAAGQAAABkAAAAAAAAABcAAAAUAAAAAAAAAAAAAAD/fwAA/38AAAAAAAAJAAAABAAAADIAAAAMAAAAEAAAAAAAAAAAAAAAAAAAAAAAAAAeAAAAaAAAAAAAAAAAAAAAAAAAAAAAAAAAAAAAECcAABAnAAAAAAAAAAAAAAAAAAAAAAAAAAAAAAAAAAAAAAAAAAAAABQAAAAAAAAAwMD/AAAAAABkAAAAMgAAAAAAAABkAAAAAAAAAH9/fwAKAAAAHwAAAFQAAAAAAAAFAAAAAQAAAAAAAAAAAAAAAAAAAAAAAAAAAAAAAAAAAAAAAAAAAAAAAn9/fwAAAAADzMzMAMDA/wB/f38AAAAAAAAAAAAAAAAAAAAAAAAAAAAhAAAAGAAAABQAAABQKAAAGycAAHA1AABZKQAAEAAAACYAAAAIAAAAAAAAAAAAAAA="/>
               </a:ext>
             </a:extLst>
           </p:cNvSpPr>
@@ -2153,7 +2154,7 @@
           <a:lstStyle/>
           <a:p>
             <a:pPr/>
-            <a:fld id="{21E7879D-D3CC-B271-825F-2524C9117470}" type="slidenum">
+            <a:fld id="{1CA18D59-17F1-F47B-BF19-E12EC35749B4}" type="slidenum">
               <a:t/>
             </a:fld>
           </a:p>
@@ -2191,7 +2192,7 @@
             <a:spLocks noGrp="1" noChangeArrowheads="1"/>
             <a:extLst>
               <a:ext uri="smNativeData">
-                <pr:smNativeData xmlns:pr="smNativeData" val="SMDATA_13_cFGrYxMAAAAlAAAAZAAAAA8BAAAAkAAAAEgAAACQAAAASAAAAAAAAAACAAAAAAAAAAEAAABQAAAAAAAAAAAA4D8AAAAAAADgPwAAAAAAAOA/AAAAAAAA4D8AAAAAAADgPwAAAAAAAOA/AAAAAAAA4D8AAAAAAADgPwAAAAAAAOA/AAAAAAAA4D8CAAAAjAAAAAAAAAAAAAAAu+DjDP///wgAAAAAAAAAAAAAAAAAAAAAAAAAAAAAAAAAAAAAZAAAAAEAAABAAAAAAAAAAAAAAAAAAAAAAAAAAAAAAAAAAAAAAAAAAAAAAAAAAAAAAAAAAAAAAAAAAAAAAAAAAAAAAAAAAAAAAAAAAAAAAAAAAAAAAAAAAAAAAAAAAAAAFAAAADwAAAAAAAAAAAAAAAAAAAkUAAAAAQAAABQAAAAUAAAAFAAAAAEAAAAAAAAAZAAAAGQAAAAAAAAAZAAAAGQAAAAVAAAAYAAAAAAAAAAAAAAADwAAACADAAAAAAAAAAAAAAEAAACgMgAAVgcAAKr4//8BAAAAf39/AAEAAABkAAAAAAAAABQAAABAHwAAAAAAACYAAAAAAAAAwOD//wAAAAAmAAAAZAAAABYAAABMAAAAAAAAAAAAAAAEAAAAAAAAAAEAAACAgIAKAAAAACgAAAAoAAAAZAAAAGQAAAAAAAAAzMzMAAAAAABQAAAAUAAAAGQAAABkAAAAAAAAABcAAAAUAAAAAAAAAAAAAAD/fwAA/38AAAAAAAAJAAAABAAAAAAAAAAMAAAAEAAAAAAAAAAAAAAAAAAAAAAAAAAeAAAAaAAAAAAAAAAAAAAAAAAAAAAAAAAAAAAAECcAABAnAAAAAAAAAAAAAAAAAAAAAAAAAAAAAAAAAAAAAAAAAAAAABQAAAAAAAAAwMD/AAAAAABkAAAAMgAAAAAAAABkAAAAAAAAAH9/fwAKAAAAHwAAAFQAAAAAAAAFAAAAAQAAAAAAAAAAAAAAAAAAAAAAAAAAAAAAAAAAAAAAAAAAAAAAAn9/fwAAAAADzMzMAMDA/wB/f38AAAAAAAAAAAAAAAAAAAAAAAAAAAAhAAAAGAAAABQAAADQAgAArgEAAFIVAADUCAAAEAAAACYAAAAIAAAAgYAAAAAAAAA="/>
+                <pr:smNativeData xmlns:pr="smNativeData" val="SMDATA_13_B6msYxMAAAAlAAAAZAAAAA8BAAAAkAAAAEgAAACQAAAASAAAAAAAAAACAAAAAAAAAAEAAABQAAAAAAAAAAAA4D8AAAAAAADgPwAAAAAAAOA/AAAAAAAA4D8AAAAAAADgPwAAAAAAAOA/AAAAAAAA4D8AAAAAAADgPwAAAAAAAOA/AAAAAAAA4D8CAAAAjAAAAAAAAAAAAAAAu+DjDP///wgAAAAAAAAAAAAAAAAAAAAAAAAAAAAAAAAAAAAAZAAAAAEAAABAAAAAAAAAAAAAAAAAAAAAAAAAAAAAAAAAAAAAAAAAAAAAAAAAAAAAAAAAAAAAAAAAAAAAAAAAAAAAAAAAAAAAAAAAAAAAAAAAAAAAAAAAAAAAAAAAAAAAFAAAADwAAAAAAAAAAAAAAAAAAAkUAAAAAQAAABQAAAAUAAAAFAAAAAEAAAAAAAAAZAAAAGQAAAAAAAAAZAAAAGQAAAAVAAAAYAAAAAAAAAAAAAAADwAAACADAAAAAAAAAAAAAAEAAACgMgAAVgcAAKr4//8BAAAAf39/AAEAAABkAAAAAAAAABQAAABAHwAAAAAAACYAAAAAAAAAwOD//wAAAAAmAAAAZAAAABYAAABMAAAAAAAAAAAAAAAEAAAAAAAAAAEAAACAgIAKAAAAACgAAAAoAAAAZAAAAGQAAAAAAAAAzMzMAAAAAABQAAAAUAAAAGQAAABkAAAAAAAAABcAAAAUAAAAAAAAAAAAAAD/fwAA/38AAAAAAAAJAAAABAAAAAAAAAAMAAAAEAAAAAAAAAAAAAAAAAAAAAAAAAAeAAAAaAAAAAAAAAAAAAAAAAAAAAAAAAAAAAAAECcAABAnAAAAAAAAAAAAAAAAAAAAAAAAAAAAAAAAAAAAAAAAAAAAABQAAAAAAAAAwMD/AAAAAABkAAAAMgAAAAAAAABkAAAAAAAAAH9/fwAKAAAAHwAAAFQAAAAAAAAFAAAAAQAAAAAAAAAAAAAAAAAAAAAAAAAAAAAAAAAAAAAAAAAAAAAAAn9/fwAAAAADzMzMAMDA/wB/f38AAAAAAAAAAAAAAAAAAAAAAAAAAAAhAAAAGAAAABQAAADQAgAArgEAAFIVAADUCAAAEAAAACYAAAAIAAAAgYAAAAAAAAA="/>
               </a:ext>
             </a:extLst>
           </p:cNvSpPr>
@@ -2231,7 +2232,7 @@
             <a:spLocks noGrp="1" noChangeArrowheads="1"/>
             <a:extLst>
               <a:ext uri="smNativeData">
-                <pr:smNativeData xmlns:pr="smNativeData" val="SMDATA_13_cFGrYxMAAAAlAAAAZAAAAA8BAAAAkAAAAEgAAACQAAAASAAAAAAAAAAAAAAAAAAAAAEAAABQAAAAAAAAAAAA4D8AAAAAAADgPwAAAAAAAOA/AAAAAAAA4D8AAAAAAADgPwAAAAAAAOA/AAAAAAAA4D8AAAAAAADgPwAAAAAAAOA/AAAAAAAA4D8CAAAAjAAAAAAAAAAAAAAAu+DjDP///wgAAAAAAAAAAAAAAAAAAAAAAAAAAAAAAAAAAAAAZAAAAAEAAABAAAAAAAAAAAAAAAAAAAAAAAAAAAAAAAAAAAAAAAAAAAAAAAAAAAAAAAAAAAAAAAAAAAAAAAAAAAAAAAAAAAAAAAAAAAAAAAAAAAAAAAAAAAAAAAAAAAAAFAAAADwAAAAAAAAAAAAAAAAAAAkUAAAAAQAAABQAAAAUAAAAFAAAAAEAAAAAAAAAZAAAAGQAAAAAAAAAZAAAAGQAAAAVAAAAYAAAAAAAAAAAAAAADwAAACADAAAAAAAAAAAAAAEAAACgMgAAVgcAAKr4//8BAAAAf39/AAEAAABkAAAAAAAAABQAAABAHwAAAAAAACYAAAAAAAAAwOD//wAAAAAmAAAAZAAAABYAAABMAAAAAAAAAAAAAAAEAAAAAAAAAAEAAACAgIAKAAAAACgAAAAoAAAAZAAAAGQAAAAAAAAAzMzMAAAAAABQAAAAUAAAAGQAAABkAAAAAAAAABcAAAAUAAAAAAAAAAAAAAD/fwAA/38AAAAAAAAJAAAABAAAADIAATMMAAAAEAAAAAAAAAAAAAAAAAAAAAAAAAAeAAAAaAAAAAAAAAAAAAAAAAAAAAAAAAAAAAAAECcAABAnAAAAAAAAAAAAAAAAAAAAAAAAAAAAAAAAAAAAAAAAAAAAABQAAAAAAAAAwMD/AAAAAABkAAAAMgAAAAAAAABkAAAAAAAAAH9/fwAKAAAAHwAAAFQAAAAAAAAFAAAAAQAAAAAAAAAAAAAAAAAAAAAAAAAAAAAAAAAAAAAAAAAAAAAAAn9/fwAAAAADzMzMAMDA/wB/f38AAAAAAAAAAAAAAAAAAAAAAAAAAAAhAAAAGAAAABQAAAD+FQAArgEAAHA1AACwJQAAEAAAACYAAAAIAAAAAYAAAAAAAAA="/>
+                <pr:smNativeData xmlns:pr="smNativeData" val="SMDATA_13_B6msYxMAAAAlAAAAZAAAAA8BAAAAkAAAAEgAAACQAAAASAAAAAAAAAAAAAAAAAAAAAEAAABQAAAAAAAAAAAA4D8AAAAAAADgPwAAAAAAAOA/AAAAAAAA4D8AAAAAAADgPwAAAAAAAOA/AAAAAAAA4D8AAAAAAADgPwAAAAAAAOA/AAAAAAAA4D8CAAAAjAAAAAAAAAAAAAAAu+DjDP///wgAAAAAAAAAAAAAAAAAAAAAAAAAAAAAAAAAAAAAZAAAAAEAAABAAAAAAAAAAAAAAAAAAAAAAAAAAAAAAAAAAAAAAAAAAAAAAAAAAAAAAAAAAAAAAAAAAAAAAAAAAAAAAAAAAAAAAAAAAAAAAAAAAAAAAAAAAAAAAAAAAAAAFAAAADwAAAAAAAAAAAAAAAAAAAkUAAAAAQAAABQAAAAUAAAAFAAAAAEAAAAAAAAAZAAAAGQAAAAAAAAAZAAAAGQAAAAVAAAAYAAAAAAAAAAAAAAADwAAACADAAAAAAAAAAAAAAEAAACgMgAAVgcAAKr4//8BAAAAf39/AAEAAABkAAAAAAAAABQAAABAHwAAAAAAACYAAAAAAAAAwOD//wAAAAAmAAAAZAAAABYAAABMAAAAAAAAAAAAAAAEAAAAAAAAAAEAAACAgIAKAAAAACgAAAAoAAAAZAAAAGQAAAAAAAAAzMzMAAAAAABQAAAAUAAAAGQAAABkAAAAAAAAABcAAAAUAAAAAAAAAAAAAAD/fwAA/38AAAAAAAAJAAAABAAAADIAATMMAAAAEAAAAAAAAAAAAAAAAAAAAAAAAAAeAAAAaAAAAAAAAAAAAAAAAAAAAAAAAAAAAAAAECcAABAnAAAAAAAAAAAAAAAAAAAAAAAAAAAAAAAAAAAAAAAAAAAAABQAAAAAAAAAwMD/AAAAAABkAAAAMgAAAAAAAABkAAAAAAAAAH9/fwAKAAAAHwAAAFQAAAAAAAAFAAAAAQAAAAAAAAAAAAAAAAAAAAAAAAAAAAAAAAAAAAAAAAAAAAAAAn9/fwAAAAADzMzMAMDA/wB/f38AAAAAAAAAAAAAAAAAAAAAAAAAAAAhAAAAGAAAABQAAAD+FQAArgEAAHA1AACwJQAAEAAAACYAAAAIAAAAAYAAAAAAAAA="/>
               </a:ext>
             </a:extLst>
           </p:cNvSpPr>
@@ -2315,7 +2316,7 @@
             <a:spLocks noGrp="1" noChangeArrowheads="1"/>
             <a:extLst>
               <a:ext uri="smNativeData">
-                <pr:smNativeData xmlns:pr="smNativeData" val="SMDATA_13_cFGrYxMAAAAlAAAAZAAAAA8BAAAAkAAAAEgAAACQAAAASAAAAAAAAAAAAAAAAAAAAAEAAABQAAAAAAAAAAAA4D8AAAAAAADgPwAAAAAAAOA/AAAAAAAA4D8AAAAAAADgPwAAAAAAAOA/AAAAAAAA4D8AAAAAAADgPwAAAAAAAOA/AAAAAAAA4D8CAAAAjAAAAAAAAAAAAAAAu+DjDP///wgAAAAAAAAAAAAAAAAAAAAAAAAAAAAAAAAAAAAAZAAAAAEAAABAAAAAAAAAAAAAAAAAAAAAAAAAAAAAAAAAAAAAAAAAAAAAAAAAAAAAAAAAAAAAAAAAAAAAAAAAAAAAAAAAAAAAAAAAAAAAAAAAAAAAAAAAAAAAAAAAAAAAFAAAADwAAAAAAAAAAAAAAAAAAAkUAAAAAQAAABQAAAAUAAAAFAAAAAEAAAAAAAAAZAAAAGQAAAAAAAAAZAAAAGQAAAAVAAAAYAAAAAAAAAAAAAAADwAAACADAAAAAAAAAAAAAAEAAACgMgAAVgcAAKr4//8BAAAAf39/AAEAAABkAAAAAAAAABQAAABAHwAAAAAAACYAAAAAAAAAwOD//wAAAAAmAAAAZAAAABYAAABMAAAAAAAAAAAAAAAEAAAAAAAAAAEAAACAgIAKAAAAACgAAAAoAAAAZAAAAGQAAAAAAAAAzMzMAAAAAABQAAAAUAAAAGQAAABkAAAAAAAAABcAAAAUAAAAAAAAAAAAAAD/fwAA/38AAAAAAAAJAAAABAAAAGQAAAAMAAAAEAAAAAAAAAAAAAAAAAAAAAAAAAAeAAAAaAAAAAAAAAAAAAAAAAAAAAAAAAAAAAAAECcAABAnAAAAAAAAAAAAAAAAAAAAAAAAAAAAAAAAAAAAAAAAAAAAABQAAAAAAAAAwMD/AAAAAABkAAAAMgAAAAAAAABkAAAAAAAAAH9/fwAKAAAAHwAAAFQAAAAAAAAFAAAAAQAAAAAAAAAAAAAAAAAAAAAAAAAAAAAAAAAAAAAAAAAAAAAAAn9/fwAAAAADzMzMAMDA/wB/f38AAAAAAAAAAAAAAAAAAAAAAAAAAAAhAAAAGAAAABQAAADQAgAA1AgAAFIVAACwJQAAEAAAACYAAAAIAAAAAYAAAAAAAAA="/>
+                <pr:smNativeData xmlns:pr="smNativeData" val="SMDATA_13_B6msYxMAAAAlAAAAZAAAAA8BAAAAkAAAAEgAAACQAAAASAAAAAAAAAAAAAAAAAAAAAEAAABQAAAAAAAAAAAA4D8AAAAAAADgPwAAAAAAAOA/AAAAAAAA4D8AAAAAAADgPwAAAAAAAOA/AAAAAAAA4D8AAAAAAADgPwAAAAAAAOA/AAAAAAAA4D8CAAAAjAAAAAAAAAAAAAAAu+DjDP///wgAAAAAAAAAAAAAAAAAAAAAAAAAAAAAAAAAAAAAZAAAAAEAAABAAAAAAAAAAAAAAAAAAAAAAAAAAAAAAAAAAAAAAAAAAAAAAAAAAAAAAAAAAAAAAAAAAAAAAAAAAAAAAAAAAAAAAAAAAAAAAAAAAAAAAAAAAAAAAAAAAAAAFAAAADwAAAAAAAAAAAAAAAAAAAkUAAAAAQAAABQAAAAUAAAAFAAAAAEAAAAAAAAAZAAAAGQAAAAAAAAAZAAAAGQAAAAVAAAAYAAAAAAAAAAAAAAADwAAACADAAAAAAAAAAAAAAEAAACgMgAAVgcAAKr4//8BAAAAf39/AAEAAABkAAAAAAAAABQAAABAHwAAAAAAACYAAAAAAAAAwOD//wAAAAAmAAAAZAAAABYAAABMAAAAAAAAAAAAAAAEAAAAAAAAAAEAAACAgIAKAAAAACgAAAAoAAAAZAAAAGQAAAAAAAAAzMzMAAAAAABQAAAAUAAAAGQAAABkAAAAAAAAABcAAAAUAAAAAAAAAAAAAAD/fwAA/38AAAAAAAAJAAAABAAAAGQAAAAMAAAAEAAAAAAAAAAAAAAAAAAAAAAAAAAeAAAAaAAAAAAAAAAAAAAAAAAAAAAAAAAAAAAAECcAABAnAAAAAAAAAAAAAAAAAAAAAAAAAAAAAAAAAAAAAAAAAAAAABQAAAAAAAAAwMD/AAAAAABkAAAAMgAAAAAAAABkAAAAAAAAAH9/fwAKAAAAHwAAAFQAAAAAAAAFAAAAAQAAAAAAAAAAAAAAAAAAAAAAAAAAAAAAAAAAAAAAAAAAAAAAAn9/fwAAAAADzMzMAMDA/wB/f38AAAAAAAAAAAAAAAAAAAAAAAAAAAAhAAAAGAAAABQAAADQAgAA1AgAAFIVAACwJQAAEAAAACYAAAAIAAAAAYAAAAAAAAA="/>
               </a:ext>
             </a:extLst>
           </p:cNvSpPr>
@@ -2384,7 +2385,7 @@
             <a:spLocks noGrp="1" noChangeArrowheads="1"/>
             <a:extLst>
               <a:ext uri="smNativeData">
-                <pr:smNativeData xmlns:pr="smNativeData" val="SMDATA_13_cFGrYxMAAAAlAAAAZAAAAA8BAAAAkAAAAEgAAACQAAAASAAAAAAAAAABAAAAAAAAAAEAAABQAAAAAAAAAAAA4D8AAAAAAADgPwAAAAAAAOA/AAAAAAAA4D8AAAAAAADgPwAAAAAAAOA/AAAAAAAA4D8AAAAAAADgPwAAAAAAAOA/AAAAAAAA4D8CAAAAjAAAAAAAAAAAAAAAu+DjDP///wgAAAAAAAAAAAAAAAAAAAAAAAAAAAAAAAAAAAAAZAAAAAEAAABAAAAAAAAAAAAAAAAAAAAAAAAAAAAAAAAAAAAAAAAAAAAAAAAAAAAAAAAAAAAAAAAAAAAAAAAAAAAAAAAAAAAAAAAAAAAAAAAAAAAAAAAAAAAAAAAAAAAAFAAAADwAAAAAAAAAAAAAAAAAAAkUAAAAAQAAABQAAAAUAAAAFAAAAAEAAAAAAAAAZAAAAGQAAAAAAAAAZAAAAGQAAAAVAAAAYAAAAAAAAAAAAAAADwAAACADAAAAAAAAAAAAAAEAAACgMgAAVgcAAKr4//8BAAAAf39/AAEAAABkAAAAAAAAABQAAABAHwAAAAAAACYAAAAAAAAAwOD//wAAAAAmAAAAZAAAABYAAABMAAAAAAAAAAAAAAAEAAAAAAAAAAEAAACAgIAKAAAAACgAAAAoAAAAZAAAAGQAAAAAAAAAzMzMAAAAAABQAAAAUAAAAGQAAABkAAAAAAAAABcAAAAUAAAAAAAAAAAAAAD/fwAA/38AAAAAAAAJAAAABAAAAAAAAAAMAAAAEAAAAAAAAAAAAAAAAAAAAAAAAAAeAAAAaAAAAAAAAAAAAAAAAAAAAAAAAAAAAAAAECcAABAnAAAAAAAAAAAAAAAAAAAAAAAAAAAAAAAAAAAAAAAAAAAAABQAAAAAAAAAwMD/AAAAAABkAAAAMgAAAAAAAABkAAAAAAAAAH9/fwAKAAAAHwAAAFQAAAAAAAAFAAAAAQAAAAAAAAAAAAAAAAAAAAAAAAAAAAAAAAAAAAAAAAAAAAAAAn9/fwAAAAADzMzMAMDA/wB/f38AAAAAAAAAAAAAAAAAAAAAAAAAAAAhAAAAGAAAABQAAADQAgAAGycAAPAPAABZKQAAEAAAACYAAAAIAAAAAAAAAAAAAAA="/>
+                <pr:smNativeData xmlns:pr="smNativeData" val="SMDATA_13_B6msYxMAAAAlAAAAZAAAAA8BAAAAkAAAAEgAAACQAAAASAAAAAAAAAABAAAAAAAAAAEAAABQAAAAAAAAAAAA4D8AAAAAAADgPwAAAAAAAOA/AAAAAAAA4D8AAAAAAADgPwAAAAAAAOA/AAAAAAAA4D8AAAAAAADgPwAAAAAAAOA/AAAAAAAA4D8CAAAAjAAAAAAAAAAAAAAAu+DjDP///wgAAAAAAAAAAAAAAAAAAAAAAAAAAAAAAAAAAAAAZAAAAAEAAABAAAAAAAAAAAAAAAAAAAAAAAAAAAAAAAAAAAAAAAAAAAAAAAAAAAAAAAAAAAAAAAAAAAAAAAAAAAAAAAAAAAAAAAAAAAAAAAAAAAAAAAAAAAAAAAAAAAAAFAAAADwAAAAAAAAAAAAAAAAAAAkUAAAAAQAAABQAAAAUAAAAFAAAAAEAAAAAAAAAZAAAAGQAAAAAAAAAZAAAAGQAAAAVAAAAYAAAAAAAAAAAAAAADwAAACADAAAAAAAAAAAAAAEAAACgMgAAVgcAAKr4//8BAAAAf39/AAEAAABkAAAAAAAAABQAAABAHwAAAAAAACYAAAAAAAAAwOD//wAAAAAmAAAAZAAAABYAAABMAAAAAAAAAAAAAAAEAAAAAAAAAAEAAACAgIAKAAAAACgAAAAoAAAAZAAAAGQAAAAAAAAAzMzMAAAAAABQAAAAUAAAAGQAAABkAAAAAAAAABcAAAAUAAAAAAAAAAAAAAD/fwAA/38AAAAAAAAJAAAABAAAAAAAAAAMAAAAEAAAAAAAAAAAAAAAAAAAAAAAAAAeAAAAaAAAAAAAAAAAAAAAAAAAAAAAAAAAAAAAECcAABAnAAAAAAAAAAAAAAAAAAAAAAAAAAAAAAAAAAAAAAAAAAAAABQAAAAAAAAAwMD/AAAAAABkAAAAMgAAAAAAAABkAAAAAAAAAH9/fwAKAAAAHwAAAFQAAAAAAAAFAAAAAQAAAAAAAAAAAAAAAAAAAAAAAAAAAAAAAAAAAAAAAAAAAAAAAn9/fwAAAAADzMzMAMDA/wB/f38AAAAAAAAAAAAAAAAAAAAAAAAAAAAhAAAAGAAAABQAAADQAgAAGycAAPAPAABZKQAAEAAAACYAAAAIAAAAAAAAAAAAAAA="/>
               </a:ext>
             </a:extLst>
           </p:cNvSpPr>
@@ -2398,7 +2399,7 @@
           <a:lstStyle/>
           <a:p>
             <a:pPr/>
-            <a:fld id="{21E78E5E-10CC-B278-825F-E62DC01174B3}" type="datetime1">
+            <a:fld id="{1CA1A869-27F1-F45E-BF19-D10BE6574984}" type="datetime1">
               <a:t/>
             </a:fld>
           </a:p>
@@ -2411,7 +2412,7 @@
             <a:spLocks noGrp="1" noChangeArrowheads="1"/>
             <a:extLst>
               <a:ext uri="smNativeData">
-                <pr:smNativeData xmlns:pr="smNativeData" val="SMDATA_13_cFGrYxMAAAAlAAAAZAAAAA8BAAAAkAAAAEgAAACQAAAASAAAAAAAAAABAAAAAAAAAAEAAABQAAAAAAAAAAAA4D8AAAAAAADgPwAAAAAAAOA/AAAAAAAA4D8AAAAAAADgPwAAAAAAAOA/AAAAAAAA4D8AAAAAAADgPwAAAAAAAOA/AAAAAAAA4D8CAAAAjAAAAAAAAAAAAAAAu+DjDP///wgAAAAAAAAAAAAAAAAAAAAAAAAAAAAAAAAAAAAAZAAAAAEAAABAAAAAAAAAAAAAAAAAAAAAAAAAAAAAAAAAAAAAAAAAAAAAAAAAAAAAAAAAAAAAAAAAAAAAAAAAAAAAAAAAAAAAAAAAAAAAAAAAAAAAAAAAAAAAAAAAAAAAFAAAADwAAAAAAAAAAAAAAAAAAAkUAAAAAQAAABQAAAAUAAAAFAAAAAEAAAAAAAAAZAAAAGQAAAAAAAAAZAAAAGQAAAAVAAAAYAAAAAAAAAAAAAAADwAAACADAAAAAAAAAAAAAAEAAACgMgAAVgcAAKr4//8BAAAAf39/AAEAAABkAAAAAAAAABQAAABAHwAAAAAAACYAAAAAAAAAwOD//wAAAAAmAAAAZAAAABYAAABMAAAAAAAAAAAAAAAEAAAAAAAAAAEAAACAgIAKAAAAACgAAAAoAAAAZAAAAGQAAAAAAAAAzMzMAAAAAABQAAAAUAAAAGQAAABkAAAAAAAAABcAAAAUAAAAAAAAAAAAAAD/fwAA/38AAAAAAAAJAAAABAAAAAAAAAAMAAAAEAAAAAAAAAAAAAAAAAAAAAAAAAAeAAAAaAAAAAAAAAAAAAAAAAAAAAAAAAAAAAAAECcAABAnAAAAAAAAAAAAAAAAAAAAAAAAAAAAAAAAAAAAAAAAAAAAABQAAAAAAAAAwMD/AAAAAABkAAAAMgAAAAAAAABkAAAAAAAAAH9/fwAKAAAAHwAAAFQAAAAAAAAFAAAAAQAAAAAAAAAAAAAAAAAAAAAAAAAAAAAAAAAAAAAAAAAAAAAAAn9/fwAAAAADzMzMAMDA/wB/f38AAAAAAAAAAAAAAAAAAAAAAAAAAAAhAAAAGAAAABQAAAA4EwAAGycAAAglAABZKQAAEAAAACYAAAAIAAAAAAAAAAAAAAA="/>
+                <pr:smNativeData xmlns:pr="smNativeData" val="SMDATA_13_B6msYxMAAAAlAAAAZAAAAA8BAAAAkAAAAEgAAACQAAAASAAAAAAAAAABAAAAAAAAAAEAAABQAAAAAAAAAAAA4D8AAAAAAADgPwAAAAAAAOA/AAAAAAAA4D8AAAAAAADgPwAAAAAAAOA/AAAAAAAA4D8AAAAAAADgPwAAAAAAAOA/AAAAAAAA4D8CAAAAjAAAAAAAAAAAAAAAu+DjDP///wgAAAAAAAAAAAAAAAAAAAAAAAAAAAAAAAAAAAAAZAAAAAEAAABAAAAAAAAAAAAAAAAAAAAAAAAAAAAAAAAAAAAAAAAAAAAAAAAAAAAAAAAAAAAAAAAAAAAAAAAAAAAAAAAAAAAAAAAAAAAAAAAAAAAAAAAAAAAAAAAAAAAAFAAAADwAAAAAAAAAAAAAAAAAAAkUAAAAAQAAABQAAAAUAAAAFAAAAAEAAAAAAAAAZAAAAGQAAAAAAAAAZAAAAGQAAAAVAAAAYAAAAAAAAAAAAAAADwAAACADAAAAAAAAAAAAAAEAAACgMgAAVgcAAKr4//8BAAAAf39/AAEAAABkAAAAAAAAABQAAABAHwAAAAAAACYAAAAAAAAAwOD//wAAAAAmAAAAZAAAABYAAABMAAAAAAAAAAAAAAAEAAAAAAAAAAEAAACAgIAKAAAAACgAAAAoAAAAZAAAAGQAAAAAAAAAzMzMAAAAAABQAAAAUAAAAGQAAABkAAAAAAAAABcAAAAUAAAAAAAAAAAAAAD/fwAA/38AAAAAAAAJAAAABAAAAAAAAAAMAAAAEAAAAAAAAAAAAAAAAAAAAAAAAAAeAAAAaAAAAAAAAAAAAAAAAAAAAAAAAAAAAAAAECcAABAnAAAAAAAAAAAAAAAAAAAAAAAAAAAAAAAAAAAAAAAAAAAAABQAAAAAAAAAwMD/AAAAAABkAAAAMgAAAAAAAABkAAAAAAAAAH9/fwAKAAAAHwAAAFQAAAAAAAAFAAAAAQAAAAAAAAAAAAAAAAAAAAAAAAAAAAAAAAAAAAAAAAAAAAAAAn9/fwAAAAADzMzMAMDA/wB/f38AAAAAAAAAAAAAAAAAAAAAAAAAAAAhAAAAGAAAABQAAAA4EwAAGycAAAglAABZKQAAEAAAACYAAAAIAAAAAAAAAAAAAAA="/>
               </a:ext>
             </a:extLst>
           </p:cNvSpPr>
@@ -2435,7 +2436,7 @@
             <a:spLocks noGrp="1" noChangeArrowheads="1"/>
             <a:extLst>
               <a:ext uri="smNativeData">
-                <pr:smNativeData xmlns:pr="smNativeData" val="SMDATA_13_cFGrYxMAAAAlAAAAZAAAAA8BAAAAkAAAAEgAAACQAAAASAAAAAAAAAABAAAAAAAAAAEAAABQAAAAAAAAAAAA4D8AAAAAAADgPwAAAAAAAOA/AAAAAAAA4D8AAAAAAADgPwAAAAAAAOA/AAAAAAAA4D8AAAAAAADgPwAAAAAAAOA/AAAAAAAA4D8CAAAAjAAAAAAAAAAAAAAAu+DjDP///wgAAAAAAAAAAAAAAAAAAAAAAAAAAAAAAAAAAAAAZAAAAAEAAABAAAAAAAAAAAAAAAAAAAAAAAAAAAAAAAAAAAAAAAAAAAAAAAAAAAAAAAAAAAAAAAAAAAAAAAAAAAAAAAAAAAAAAAAAAAAAAAAAAAAAAAAAAAAAAAAAAAAAFAAAADwAAAAAAAAAAAAAAAAAAAkUAAAAAQAAABQAAAAUAAAAFAAAAAEAAAAAAAAAZAAAAGQAAAAAAAAAZAAAAGQAAAAVAAAAYAAAAAAAAAAAAAAADwAAACADAAAAAAAAAAAAAAEAAACgMgAAVgcAAKr4//8BAAAAf39/AAEAAABkAAAAAAAAABQAAABAHwAAAAAAACYAAAAAAAAAwOD//wAAAAAmAAAAZAAAABYAAABMAAAAAAAAAAAAAAAEAAAAAAAAAAEAAACAgIAKAAAAACgAAAAoAAAAZAAAAGQAAAAAAAAAzMzMAAAAAABQAAAAUAAAAGQAAABkAAAAAAAAABcAAAAUAAAAAAAAAAAAAAD/fwAA/38AAAAAAAAJAAAABAAAAAAAAAAMAAAAEAAAAAAAAAAAAAAAAAAAAAAAAAAeAAAAaAAAAAAAAAAAAAAAAAAAAAAAAAAAAAAAECcAABAnAAAAAAAAAAAAAAAAAAAAAAAAAAAAAAAAAAAAAAAAAAAAABQAAAAAAAAAwMD/AAAAAABkAAAAMgAAAAAAAABkAAAAAAAAAH9/fwAKAAAAHwAAAFQAAAAAAAAFAAAAAQAAAAAAAAAAAAAAAAAAAAAAAAAAAAAAAAAAAAAAAAAAAAAAAn9/fwAAAAADzMzMAMDA/wB/f38AAAAAAAAAAAAAAAAAAAAAAAAAAAAhAAAAGAAAABQAAABQKAAAGycAAHA1AABZKQAAEAAAACYAAAAIAAAAAAAAAAAAAAA="/>
+                <pr:smNativeData xmlns:pr="smNativeData" val="SMDATA_13_B6msYxMAAAAlAAAAZAAAAA8BAAAAkAAAAEgAAACQAAAASAAAAAAAAAABAAAAAAAAAAEAAABQAAAAAAAAAAAA4D8AAAAAAADgPwAAAAAAAOA/AAAAAAAA4D8AAAAAAADgPwAAAAAAAOA/AAAAAAAA4D8AAAAAAADgPwAAAAAAAOA/AAAAAAAA4D8CAAAAjAAAAAAAAAAAAAAAu+DjDP///wgAAAAAAAAAAAAAAAAAAAAAAAAAAAAAAAAAAAAAZAAAAAEAAABAAAAAAAAAAAAAAAAAAAAAAAAAAAAAAAAAAAAAAAAAAAAAAAAAAAAAAAAAAAAAAAAAAAAAAAAAAAAAAAAAAAAAAAAAAAAAAAAAAAAAAAAAAAAAAAAAAAAAFAAAADwAAAAAAAAAAAAAAAAAAAkUAAAAAQAAABQAAAAUAAAAFAAAAAEAAAAAAAAAZAAAAGQAAAAAAAAAZAAAAGQAAAAVAAAAYAAAAAAAAAAAAAAADwAAACADAAAAAAAAAAAAAAEAAACgMgAAVgcAAKr4//8BAAAAf39/AAEAAABkAAAAAAAAABQAAABAHwAAAAAAACYAAAAAAAAAwOD//wAAAAAmAAAAZAAAABYAAABMAAAAAAAAAAAAAAAEAAAAAAAAAAEAAACAgIAKAAAAACgAAAAoAAAAZAAAAGQAAAAAAAAAzMzMAAAAAABQAAAAUAAAAGQAAABkAAAAAAAAABcAAAAUAAAAAAAAAAAAAAD/fwAA/38AAAAAAAAJAAAABAAAAAAAAAAMAAAAEAAAAAAAAAAAAAAAAAAAAAAAAAAeAAAAaAAAAAAAAAAAAAAAAAAAAAAAAAAAAAAAECcAABAnAAAAAAAAAAAAAAAAAAAAAAAAAAAAAAAAAAAAAAAAAAAAABQAAAAAAAAAwMD/AAAAAABkAAAAMgAAAAAAAABkAAAAAAAAAH9/fwAKAAAAHwAAAFQAAAAAAAAFAAAAAQAAAAAAAAAAAAAAAAAAAAAAAAAAAAAAAAAAAAAAAAAAAAAAAn9/fwAAAAADzMzMAMDA/wB/f38AAAAAAAAAAAAAAAAAAAAAAAAAAAAhAAAAGAAAABQAAABQKAAAGycAAHA1AABZKQAAEAAAACYAAAAIAAAAAAAAAAAAAAA="/>
               </a:ext>
             </a:extLst>
           </p:cNvSpPr>
@@ -2449,7 +2450,7 @@
           <a:lstStyle/>
           <a:p>
             <a:pPr/>
-            <a:fld id="{21E7FD34-7ACC-B20B-825F-8C5EB31174D9}" type="slidenum">
+            <a:fld id="{1CA1FEE2-ACF1-F408-BF19-5A5DB057490F}" type="slidenum">
               <a:t/>
             </a:fld>
           </a:p>
@@ -2487,7 +2488,7 @@
             <a:spLocks noGrp="1" noChangeArrowheads="1"/>
             <a:extLst>
               <a:ext uri="smNativeData">
-                <pr:smNativeData xmlns:pr="smNativeData" val="SMDATA_13_cFGrYxMAAAAlAAAAZAAAAA8BAAAAkAAAAEgAAACQAAAASAAAAAAAAAACAAAAAAAAAAEAAABQAAAAAAAAAAAA4D8AAAAAAADgPwAAAAAAAOA/AAAAAAAA4D8AAAAAAADgPwAAAAAAAOA/AAAAAAAA4D8AAAAAAADgPwAAAAAAAOA/AAAAAAAA4D8CAAAAjAAAAAAAAAAAAAAAu+DjDP///wgAAAAAAAAAAAAAAAAAAAAAAAAAAAAAAAAAAAAAZAAAAAEAAABAAAAAAAAAAAAAAAAAAAAAAAAAAAAAAAAAAAAAAAAAAAAAAAAAAAAAAAAAAAAAAAAAAAAAAAAAAAAAAAAAAAAAAAAAAAAAAAAAAAAAAAAAAAAAAAAAAAAAFAAAADwAAAAAAAAAAAAAAAAAAAkUAAAAAQAAABQAAAAUAAAAFAAAAAEAAAAAAAAAZAAAAGQAAAAAAAAAZAAAAGQAAAAVAAAAYAAAAAAAAAAAAAAADwAAACADAAAAAAAAAAAAAAEAAACgMgAAVgcAAKr4//8BAAAAf39/AAEAAABkAAAAAAAAABQAAABAHwAAAAAAACYAAAAAAAAAwOD//wAAAAAmAAAAZAAAABYAAABMAAAAAAAAAAAAAAAEAAAAAAAAAAEAAACAgIAKAAAAACgAAAAoAAAAZAAAAGQAAAAAAAAAzMzMAAAAAABQAAAAUAAAAGQAAABkAAAAAAAAABcAAAAUAAAAAAAAAAAAAAD/fwAA/38AAAAAAAAJAAAABAAAAH9/fwAMAAAAEAAAAAAAAAAAAAAAAAAAAAAAAAAeAAAAaAAAAAAAAAAAAAAAAAAAAAAAAAAAAAAAECcAABAnAAAAAAAAAAAAAAAAAAAAAAAAAAAAAAAAAAAAAAAAAAAAABQAAAAAAAAAwMD/AAAAAABkAAAAMgAAAAAAAABkAAAAAAAAAH9/fwAKAAAAHwAAAFQAAAAAAAAFAAAAAQAAAAAAAAAAAAAAAAAAAAAAAAAAAAAAAAAAAAAAAAAAAAAAAn9/fwAAAAADzMzMAMDA/wB/f38AAAAAAAAAAAAAAAAAAAAAAAAAAAAhAAAAGAAAABQAAAAGCwAAiB0AAMYsAAAEIQAAEAAAACYAAAAIAAAAgYAAAAAAAAA="/>
+                <pr:smNativeData xmlns:pr="smNativeData" val="SMDATA_13_B6msYxMAAAAlAAAAZAAAAA8BAAAAkAAAAEgAAACQAAAASAAAAAAAAAACAAAAAAAAAAEAAABQAAAAAAAAAAAA4D8AAAAAAADgPwAAAAAAAOA/AAAAAAAA4D8AAAAAAADgPwAAAAAAAOA/AAAAAAAA4D8AAAAAAADgPwAAAAAAAOA/AAAAAAAA4D8CAAAAjAAAAAAAAAAAAAAAu+DjDP///wgAAAAAAAAAAAAAAAAAAAAAAAAAAAAAAAAAAAAAZAAAAAEAAABAAAAAAAAAAAAAAAAAAAAAAAAAAAAAAAAAAAAAAAAAAAAAAAAAAAAAAAAAAAAAAAAAAAAAAAAAAAAAAAAAAAAAAAAAAAAAAAAAAAAAAAAAAAAAAAAAAAAAFAAAADwAAAAAAAAAAAAAAAAAAAkUAAAAAQAAABQAAAAUAAAAFAAAAAEAAAAAAAAAZAAAAGQAAAAAAAAAZAAAAGQAAAAVAAAAYAAAAAAAAAAAAAAADwAAACADAAAAAAAAAAAAAAEAAACgMgAAVgcAAKr4//8BAAAAf39/AAEAAABkAAAAAAAAABQAAABAHwAAAAAAACYAAAAAAAAAwOD//wAAAAAmAAAAZAAAABYAAABMAAAAAAAAAAAAAAAEAAAAAAAAAAEAAACAgIAKAAAAACgAAAAoAAAAZAAAAGQAAAAAAAAAzMzMAAAAAABQAAAAUAAAAGQAAABkAAAAAAAAABcAAAAUAAAAAAAAAAAAAAD/fwAA/38AAAAAAAAJAAAABAAAAH9/fwAMAAAAEAAAAAAAAAAAAAAAAAAAAAAAAAAeAAAAaAAAAAAAAAAAAAAAAAAAAAAAAAAAAAAAECcAABAnAAAAAAAAAAAAAAAAAAAAAAAAAAAAAAAAAAAAAAAAAAAAABQAAAAAAAAAwMD/AAAAAABkAAAAMgAAAAAAAABkAAAAAAAAAH9/fwAKAAAAHwAAAFQAAAAAAAAFAAAAAQAAAAAAAAAAAAAAAAAAAAAAAAAAAAAAAAAAAAAAAAAAAAAAAn9/fwAAAAADzMzMAMDA/wB/f38AAAAAAAAAAAAAAAAAAAAAAAAAAAAhAAAAGAAAABQAAAAGCwAAiB0AAMYsAAAEIQAAEAAAACYAAAAIAAAAgYAAAAAAAAA="/>
               </a:ext>
             </a:extLst>
           </p:cNvSpPr>
@@ -2527,7 +2528,7 @@
             <a:spLocks noGrp="1" noChangeArrowheads="1"/>
             <a:extLst>
               <a:ext uri="smNativeData">
-                <pr:smNativeData xmlns:pr="smNativeData" val="SMDATA_13_cFGrYxMAAAAlAAAAZAAAAA8BAAAAkAAAAEgAAACQAAAASAAAAAAAAAAAAAAAAAAAAAEAAABQAAAAAAAAAAAA4D8AAAAAAADgPwAAAAAAAOA/AAAAAAAA4D8AAAAAAADgPwAAAAAAAOA/AAAAAAAA4D8AAAAAAADgPwAAAAAAAOA/AAAAAAAA4D8CAAAAjAAAAAAAAAAAAAAAu+DjDP///wgAAAAAAAAAAAAAAAAAAAAAAAAAAAAAAAAAAAAAZAAAAAEAAABAAAAAAAAAAAAAAAAAAAAAAAAAAAAAAAAAAAAAAAAAAAAAAAAAAAAAAAAAAAAAAAAAAAAAAAAAAAAAAAAAAAAAAAAAAAAAAAAAAAAAAAAAAAAAAAAAAAAAFAAAADwAAAAAAAAAAAAAAAAAAAkUAAAAAQAAABQAAAAUAAAAFAAAAAEAAAAAAAAAZAAAAGQAAAAAAAAAZAAAAGQAAAAVAAAAYAAAAAAAAAAAAAAADwAAACADAAAAAAAAAAAAAAEAAACgMgAAVgcAAKr4//8BAAAAf39/AAEAAABkAAAAAAAAABQAAABAHwAAAAAAACYAAAAAAAAAwOD//wAAAAAmAAAAZAAAABYAAABMAAAAAAAAAAAAAAAEAAAAAAAAAAEAAACAgIAKAAAAACgAAAAoAAAAZAAAAGQAAAAAAAAAzMzMAAAAAABQAAAAUAAAAGQAAABkAAAAAAAAABcAAAAUAAAAAAAAAAAAAAD/fwAA/38AAAAAAAAJAAAABAAAAAAAAAAMAAAAEAAAAAAAAAAAAAAAAAAAAAAAAAAeAAAAaAAAAAAAAAAAAAAAAAAAAAAAAAAAAAAAECcAABAnAAAAAAAAAAAAAAAAAAAAAAAAAAAAAAAAAAAAAAAAAAAAABQAAAAAAAAAwMD/AAAAAABkAAAAMgAAAAAAAABkAAAAAAAAAH9/fwAKAAAAHwAAAFQAAAAAAAAFAAAAAQAAAAAAAAAAAAAAAAAAAAAAAAAAAAAAAAAAAAAAAAAAAAAAAn9/fwAAAAADzMzMAMDA/wB/f38AAAAAAAAAAAAAAAAAAAAAAAAAAAAhAAAAGAAAABQAAAAGCwAAxgMAAMYsAAAWHQAAEAAAACYAAAAIAAAAAYAAAAAAAAA="/>
+                <pr:smNativeData xmlns:pr="smNativeData" val="SMDATA_13_B6msYxMAAAAlAAAAZAAAAA8BAAAAkAAAAEgAAACQAAAASAAAAAAAAAAAAAAAAAAAAAEAAABQAAAAAAAAAAAA4D8AAAAAAADgPwAAAAAAAOA/AAAAAAAA4D8AAAAAAADgPwAAAAAAAOA/AAAAAAAA4D8AAAAAAADgPwAAAAAAAOA/AAAAAAAA4D8CAAAAjAAAAAAAAAAAAAAAu+DjDP///wgAAAAAAAAAAAAAAAAAAAAAAAAAAAAAAAAAAAAAZAAAAAEAAABAAAAAAAAAAAAAAAAAAAAAAAAAAAAAAAAAAAAAAAAAAAAAAAAAAAAAAAAAAAAAAAAAAAAAAAAAAAAAAAAAAAAAAAAAAAAAAAAAAAAAAAAAAAAAAAAAAAAAFAAAADwAAAAAAAAAAAAAAAAAAAkUAAAAAQAAABQAAAAUAAAAFAAAAAEAAAAAAAAAZAAAAGQAAAAAAAAAZAAAAGQAAAAVAAAAYAAAAAAAAAAAAAAADwAAACADAAAAAAAAAAAAAAEAAACgMgAAVgcAAKr4//8BAAAAf39/AAEAAABkAAAAAAAAABQAAABAHwAAAAAAACYAAAAAAAAAwOD//wAAAAAmAAAAZAAAABYAAABMAAAAAAAAAAAAAAAEAAAAAAAAAAEAAACAgIAKAAAAACgAAAAoAAAAZAAAAGQAAAAAAAAAzMzMAAAAAABQAAAAUAAAAGQAAABkAAAAAAAAABcAAAAUAAAAAAAAAAAAAAD/fwAA/38AAAAAAAAJAAAABAAAAAAAAAAMAAAAEAAAAAAAAAAAAAAAAAAAAAAAAAAeAAAAaAAAAAAAAAAAAAAAAAAAAAAAAAAAAAAAECcAABAnAAAAAAAAAAAAAAAAAAAAAAAAAAAAAAAAAAAAAAAAAAAAABQAAAAAAAAAwMD/AAAAAABkAAAAMgAAAAAAAABkAAAAAAAAAH9/fwAKAAAAHwAAAFQAAAAAAAAFAAAAAQAAAAAAAAAAAAAAAAAAAAAAAAAAAAAAAAAAAAAAAAAAAAAAAn9/fwAAAAADzMzMAMDA/wB/f38AAAAAAAAAAAAAAAAAAAAAAAAAAAAhAAAAGAAAABQAAAAGCwAAxgMAAMYsAAAWHQAAEAAAACYAAAAIAAAAAYAAAAAAAAA="/>
               </a:ext>
             </a:extLst>
           </p:cNvSpPr>
@@ -2596,7 +2597,7 @@
             <a:spLocks noGrp="1" noChangeArrowheads="1"/>
             <a:extLst>
               <a:ext uri="smNativeData">
-                <pr:smNativeData xmlns:pr="smNativeData" val="SMDATA_13_cFGrYxMAAAAlAAAAZAAAAA8BAAAAkAAAAEgAAACQAAAASAAAAAAAAAAAAAAAAAAAAAEAAABQAAAAAAAAAAAA4D8AAAAAAADgPwAAAAAAAOA/AAAAAAAA4D8AAAAAAADgPwAAAAAAAOA/AAAAAAAA4D8AAAAAAADgPwAAAAAAAOA/AAAAAAAA4D8CAAAAjAAAAAAAAAAAAAAAu+DjDP///wgAAAAAAAAAAAAAAAAAAAAAAAAAAAAAAAAAAAAAZAAAAAEAAABAAAAAAAAAAAAAAAAAAAAAAAAAAAAAAAAAAAAAAAAAAAAAAAAAAAAAAAAAAAAAAAAAAAAAAAAAAAAAAAAAAAAAAAAAAAAAAAAAAAAAAAAAAAAAAAAAAAAAFAAAADwAAAAAAAAAAAAAAAAAAAkUAAAAAQAAABQAAAAUAAAAFAAAAAEAAAAAAAAAZAAAAGQAAAAAAAAAZAAAAGQAAAAVAAAAYAAAAAAAAAAAAAAADwAAACADAAAAAAAAAAAAAAEAAACgMgAAVgcAAKr4//8BAAAAf39/AAEAAABkAAAAAAAAABQAAABAHwAAAAAAACYAAAAAAAAAwOD//wAAAAAmAAAAZAAAABYAAABMAAAAAAAAAAAAAAAEAAAAAAAAAAEAAACAgIAKAAAAACgAAAAoAAAAZAAAAGQAAAAAAAAAzMzMAAAAAABQAAAAUAAAAGQAAABkAAAAAAAAABcAAAAUAAAAAAAAAAAAAAD/fwAA/38AAAAAAAAJAAAABAAAAAAAAAAMAAAAEAAAAAAAAAAAAAAAAAAAAAAAAAAeAAAAaAAAAAAAAAAAAAAAAAAAAAAAAAAAAAAAECcAABAnAAAAAAAAAAAAAAAAAAAAAAAAAAAAAAAAAAAAAAAAAAAAABQAAAAAAAAAwMD/AAAAAABkAAAAMgAAAAAAAABkAAAAAAAAAH9/fwAKAAAAHwAAAFQAAAAAAAAFAAAAAQAAAAAAAAAAAAAAAAAAAAAAAAAAAAAAAAAAAAAAAAAAAAAAAn9/fwAAAAADzMzMAMDA/wB/f38AAAAAAAAAAAAAAAAAAAAAAAAAAAAhAAAAGAAAABQAAAAGCwAABCEAAMYsAAD4JQAAEAAAACYAAAAIAAAAAYAAAAAAAAA="/>
+                <pr:smNativeData xmlns:pr="smNativeData" val="SMDATA_13_B6msYxMAAAAlAAAAZAAAAA8BAAAAkAAAAEgAAACQAAAASAAAAAAAAAAAAAAAAAAAAAEAAABQAAAAAAAAAAAA4D8AAAAAAADgPwAAAAAAAOA/AAAAAAAA4D8AAAAAAADgPwAAAAAAAOA/AAAAAAAA4D8AAAAAAADgPwAAAAAAAOA/AAAAAAAA4D8CAAAAjAAAAAAAAAAAAAAAu+DjDP///wgAAAAAAAAAAAAAAAAAAAAAAAAAAAAAAAAAAAAAZAAAAAEAAABAAAAAAAAAAAAAAAAAAAAAAAAAAAAAAAAAAAAAAAAAAAAAAAAAAAAAAAAAAAAAAAAAAAAAAAAAAAAAAAAAAAAAAAAAAAAAAAAAAAAAAAAAAAAAAAAAAAAAFAAAADwAAAAAAAAAAAAAAAAAAAkUAAAAAQAAABQAAAAUAAAAFAAAAAEAAAAAAAAAZAAAAGQAAAAAAAAAZAAAAGQAAAAVAAAAYAAAAAAAAAAAAAAADwAAACADAAAAAAAAAAAAAAEAAACgMgAAVgcAAKr4//8BAAAAf39/AAEAAABkAAAAAAAAABQAAABAHwAAAAAAACYAAAAAAAAAwOD//wAAAAAmAAAAZAAAABYAAABMAAAAAAAAAAAAAAAEAAAAAAAAAAEAAACAgIAKAAAAACgAAAAoAAAAZAAAAGQAAAAAAAAAzMzMAAAAAABQAAAAUAAAAGQAAABkAAAAAAAAABcAAAAUAAAAAAAAAAAAAAD/fwAA/38AAAAAAAAJAAAABAAAAAAAAAAMAAAAEAAAAAAAAAAAAAAAAAAAAAAAAAAeAAAAaAAAAAAAAAAAAAAAAAAAAAAAAAAAAAAAECcAABAnAAAAAAAAAAAAAAAAAAAAAAAAAAAAAAAAAAAAAAAAAAAAABQAAAAAAAAAwMD/AAAAAABkAAAAMgAAAAAAAABkAAAAAAAAAH9/fwAKAAAAHwAAAFQAAAAAAAAFAAAAAQAAAAAAAAAAAAAAAAAAAAAAAAAAAAAAAAAAAAAAAAAAAAAAAn9/fwAAAAADzMzMAMDA/wB/f38AAAAAAAAAAAAAAAAAAAAAAAAAAAAhAAAAGAAAABQAAAAGCwAABCEAAMYsAAD4JQAAEAAAACYAAAAIAAAAAYAAAAAAAAA="/>
               </a:ext>
             </a:extLst>
           </p:cNvSpPr>
@@ -2665,7 +2666,7 @@
             <a:spLocks noGrp="1" noChangeArrowheads="1"/>
             <a:extLst>
               <a:ext uri="smNativeData">
-                <pr:smNativeData xmlns:pr="smNativeData" val="SMDATA_13_cFGrYxMAAAAlAAAAZAAAAA8BAAAAkAAAAEgAAACQAAAASAAAAAAAAAABAAAAAAAAAAEAAABQAAAAAAAAAAAA4D8AAAAAAADgPwAAAAAAAOA/AAAAAAAA4D8AAAAAAADgPwAAAAAAAOA/AAAAAAAA4D8AAAAAAADgPwAAAAAAAOA/AAAAAAAA4D8CAAAAjAAAAAAAAAAAAAAAu+DjDP///wgAAAAAAAAAAAAAAAAAAAAAAAAAAAAAAAAAAAAAZAAAAAEAAABAAAAAAAAAAAAAAAAAAAAAAAAAAAAAAAAAAAAAAAAAAAAAAAAAAAAAAAAAAAAAAAAAAAAAAAAAAAAAAAAAAAAAAAAAAAAAAAAAAAAAAAAAAAAAAAAAAAAAFAAAADwAAAAAAAAAAAAAAAAAAAkUAAAAAQAAABQAAAAUAAAAFAAAAAEAAAAAAAAAZAAAAGQAAAAAAAAAZAAAAGQAAAAVAAAAYAAAAAAAAAAAAAAADwAAACADAAAAAAAAAAAAAAEAAACgMgAAVgcAAKr4//8BAAAAf39/AAEAAABkAAAAAAAAABQAAABAHwAAAAAAACYAAAAAAAAAwOD//wAAAAAmAAAAZAAAABYAAABMAAAAAAAAAAAAAAAEAAAAAAAAAAEAAACAgIAKAAAAACgAAAAoAAAAZAAAAGQAAAAAAAAAzMzMAAAAAABQAAAAUAAAAGQAAABkAAAAAAAAABcAAAAUAAAAAAAAAAAAAAD/fwAA/38AAAAAAAAJAAAABAAAAAAAAAAMAAAAEAAAAAAAAAAAAAAAAAAAAAAAAAAeAAAAaAAAAAAAAAAAAAAAAAAAAAAAAAAAAAAAECcAABAnAAAAAAAAAAAAAAAAAAAAAAAAAAAAAAAAAAAAAAAAAAAAABQAAAAAAAAAwMD/AAAAAABkAAAAMgAAAAAAAABkAAAAAAAAAH9/fwAKAAAAHwAAAFQAAAAAAAAFAAAAAQAAAAAAAAAAAAAAAAAAAAAAAAAAAAAAAAAAAAAAAAAAAAAAAn9/fwAAAAADzMzMAMDA/wB/f38AAAAAAAAAAAAAAAAAAAAAAAAAAAAhAAAAGAAAABQAAADQAgAAGycAAPAPAABZKQAAEAAAACYAAAAIAAAAAAAAAAAAAAA="/>
+                <pr:smNativeData xmlns:pr="smNativeData" val="SMDATA_13_B6msYxMAAAAlAAAAZAAAAA8BAAAAkAAAAEgAAACQAAAASAAAAAAAAAABAAAAAAAAAAEAAABQAAAAAAAAAAAA4D8AAAAAAADgPwAAAAAAAOA/AAAAAAAA4D8AAAAAAADgPwAAAAAAAOA/AAAAAAAA4D8AAAAAAADgPwAAAAAAAOA/AAAAAAAA4D8CAAAAjAAAAAAAAAAAAAAAu+DjDP///wgAAAAAAAAAAAAAAAAAAAAAAAAAAAAAAAAAAAAAZAAAAAEAAABAAAAAAAAAAAAAAAAAAAAAAAAAAAAAAAAAAAAAAAAAAAAAAAAAAAAAAAAAAAAAAAAAAAAAAAAAAAAAAAAAAAAAAAAAAAAAAAAAAAAAAAAAAAAAAAAAAAAAFAAAADwAAAAAAAAAAAAAAAAAAAkUAAAAAQAAABQAAAAUAAAAFAAAAAEAAAAAAAAAZAAAAGQAAAAAAAAAZAAAAGQAAAAVAAAAYAAAAAAAAAAAAAAADwAAACADAAAAAAAAAAAAAAEAAACgMgAAVgcAAKr4//8BAAAAf39/AAEAAABkAAAAAAAAABQAAABAHwAAAAAAACYAAAAAAAAAwOD//wAAAAAmAAAAZAAAABYAAABMAAAAAAAAAAAAAAAEAAAAAAAAAAEAAACAgIAKAAAAACgAAAAoAAAAZAAAAGQAAAAAAAAAzMzMAAAAAABQAAAAUAAAAGQAAABkAAAAAAAAABcAAAAUAAAAAAAAAAAAAAD/fwAA/38AAAAAAAAJAAAABAAAAAAAAAAMAAAAEAAAAAAAAAAAAAAAAAAAAAAAAAAeAAAAaAAAAAAAAAAAAAAAAAAAAAAAAAAAAAAAECcAABAnAAAAAAAAAAAAAAAAAAAAAAAAAAAAAAAAAAAAAAAAAAAAABQAAAAAAAAAwMD/AAAAAABkAAAAMgAAAAAAAABkAAAAAAAAAH9/fwAKAAAAHwAAAFQAAAAAAAAFAAAAAQAAAAAAAAAAAAAAAAAAAAAAAAAAAAAAAAAAAAAAAAAAAAAAAn9/fwAAAAADzMzMAMDA/wB/f38AAAAAAAAAAAAAAAAAAAAAAAAAAAAhAAAAGAAAABQAAADQAgAAGycAAPAPAABZKQAAEAAAACYAAAAIAAAAAAAAAAAAAAA="/>
               </a:ext>
             </a:extLst>
           </p:cNvSpPr>
@@ -2679,7 +2680,7 @@
           <a:lstStyle/>
           <a:p>
             <a:pPr/>
-            <a:fld id="{21E7DAD6-98CC-B22C-825F-6E799411743B}" type="datetime1">
+            <a:fld id="{1CA1BBBF-F1F1-F44D-BF19-0718F5574952}" type="datetime1">
               <a:t/>
             </a:fld>
           </a:p>
@@ -2692,7 +2693,7 @@
             <a:spLocks noGrp="1" noChangeArrowheads="1"/>
             <a:extLst>
               <a:ext uri="smNativeData">
-                <pr:smNativeData xmlns:pr="smNativeData" val="SMDATA_13_cFGrYxMAAAAlAAAAZAAAAA8BAAAAkAAAAEgAAACQAAAASAAAAAAAAAABAAAAAAAAAAEAAABQAAAAAAAAAAAA4D8AAAAAAADgPwAAAAAAAOA/AAAAAAAA4D8AAAAAAADgPwAAAAAAAOA/AAAAAAAA4D8AAAAAAADgPwAAAAAAAOA/AAAAAAAA4D8CAAAAjAAAAAAAAAAAAAAAu+DjDP///wgAAAAAAAAAAAAAAAAAAAAAAAAAAAAAAAAAAAAAZAAAAAEAAABAAAAAAAAAAAAAAAAAAAAAAAAAAAAAAAAAAAAAAAAAAAAAAAAAAAAAAAAAAAAAAAAAAAAAAAAAAAAAAAAAAAAAAAAAAAAAAAAAAAAAAAAAAAAAAAAAAAAAFAAAADwAAAAAAAAAAAAAAAAAAAkUAAAAAQAAABQAAAAUAAAAFAAAAAEAAAAAAAAAZAAAAGQAAAAAAAAAZAAAAGQAAAAVAAAAYAAAAAAAAAAAAAAADwAAACADAAAAAAAAAAAAAAEAAACgMgAAVgcAAKr4//8BAAAAf39/AAEAAABkAAAAAAAAABQAAABAHwAAAAAAACYAAAAAAAAAwOD//wAAAAAmAAAAZAAAABYAAABMAAAAAAAAAAAAAAAEAAAAAAAAAAEAAACAgIAKAAAAACgAAAAoAAAAZAAAAGQAAAAAAAAAzMzMAAAAAABQAAAAUAAAAGQAAABkAAAAAAAAABcAAAAUAAAAAAAAAAAAAAD/fwAA/38AAAAAAAAJAAAABAAAAAAAAAAMAAAAEAAAAAAAAAAAAAAAAAAAAAAAAAAeAAAAaAAAAAAAAAAAAAAAAAAAAAAAAAAAAAAAECcAABAnAAAAAAAAAAAAAAAAAAAAAAAAAAAAAAAAAAAAAAAAAAAAABQAAAAAAAAAwMD/AAAAAABkAAAAMgAAAAAAAABkAAAAAAAAAH9/fwAKAAAAHwAAAFQAAAAAAAAFAAAAAQAAAAAAAAAAAAAAAAAAAAAAAAAAAAAAAAAAAAAAAAAAAAAAAn9/fwAAAAADzMzMAMDA/wB/f38AAAAAAAAAAAAAAAAAAAAAAAAAAAAhAAAAGAAAABQAAAA4EwAAGycAAAglAABZKQAAEAAAACYAAAAIAAAAAAAAAAAAAAA="/>
+                <pr:smNativeData xmlns:pr="smNativeData" val="SMDATA_13_B6msYxMAAAAlAAAAZAAAAA8BAAAAkAAAAEgAAACQAAAASAAAAAAAAAABAAAAAAAAAAEAAABQAAAAAAAAAAAA4D8AAAAAAADgPwAAAAAAAOA/AAAAAAAA4D8AAAAAAADgPwAAAAAAAOA/AAAAAAAA4D8AAAAAAADgPwAAAAAAAOA/AAAAAAAA4D8CAAAAjAAAAAAAAAAAAAAAu+DjDP///wgAAAAAAAAAAAAAAAAAAAAAAAAAAAAAAAAAAAAAZAAAAAEAAABAAAAAAAAAAAAAAAAAAAAAAAAAAAAAAAAAAAAAAAAAAAAAAAAAAAAAAAAAAAAAAAAAAAAAAAAAAAAAAAAAAAAAAAAAAAAAAAAAAAAAAAAAAAAAAAAAAAAAFAAAADwAAAAAAAAAAAAAAAAAAAkUAAAAAQAAABQAAAAUAAAAFAAAAAEAAAAAAAAAZAAAAGQAAAAAAAAAZAAAAGQAAAAVAAAAYAAAAAAAAAAAAAAADwAAACADAAAAAAAAAAAAAAEAAACgMgAAVgcAAKr4//8BAAAAf39/AAEAAABkAAAAAAAAABQAAABAHwAAAAAAACYAAAAAAAAAwOD//wAAAAAmAAAAZAAAABYAAABMAAAAAAAAAAAAAAAEAAAAAAAAAAEAAACAgIAKAAAAACgAAAAoAAAAZAAAAGQAAAAAAAAAzMzMAAAAAABQAAAAUAAAAGQAAABkAAAAAAAAABcAAAAUAAAAAAAAAAAAAAD/fwAA/38AAAAAAAAJAAAABAAAAAAAAAAMAAAAEAAAAAAAAAAAAAAAAAAAAAAAAAAeAAAAaAAAAAAAAAAAAAAAAAAAAAAAAAAAAAAAECcAABAnAAAAAAAAAAAAAAAAAAAAAAAAAAAAAAAAAAAAAAAAAAAAABQAAAAAAAAAwMD/AAAAAABkAAAAMgAAAAAAAABkAAAAAAAAAH9/fwAKAAAAHwAAAFQAAAAAAAAFAAAAAQAAAAAAAAAAAAAAAAAAAAAAAAAAAAAAAAAAAAAAAAAAAAAAAn9/fwAAAAADzMzMAMDA/wB/f38AAAAAAAAAAAAAAAAAAAAAAAAAAAAhAAAAGAAAABQAAAA4EwAAGycAAAglAABZKQAAEAAAACYAAAAIAAAAAAAAAAAAAAA="/>
               </a:ext>
             </a:extLst>
           </p:cNvSpPr>
@@ -2716,7 +2717,7 @@
             <a:spLocks noGrp="1" noChangeArrowheads="1"/>
             <a:extLst>
               <a:ext uri="smNativeData">
-                <pr:smNativeData xmlns:pr="smNativeData" val="SMDATA_13_cFGrYxMAAAAlAAAAZAAAAA8BAAAAkAAAAEgAAACQAAAASAAAAAAAAAABAAAAAAAAAAEAAABQAAAAAAAAAAAA4D8AAAAAAADgPwAAAAAAAOA/AAAAAAAA4D8AAAAAAADgPwAAAAAAAOA/AAAAAAAA4D8AAAAAAADgPwAAAAAAAOA/AAAAAAAA4D8CAAAAjAAAAAAAAAAAAAAAu+DjDP///wgAAAAAAAAAAAAAAAAAAAAAAAAAAAAAAAAAAAAAZAAAAAEAAABAAAAAAAAAAAAAAAAAAAAAAAAAAAAAAAAAAAAAAAAAAAAAAAAAAAAAAAAAAAAAAAAAAAAAAAAAAAAAAAAAAAAAAAAAAAAAAAAAAAAAAAAAAAAAAAAAAAAAFAAAADwAAAAAAAAAAAAAAAAAAAkUAAAAAQAAABQAAAAUAAAAFAAAAAEAAAAAAAAAZAAAAGQAAAAAAAAAZAAAAGQAAAAVAAAAYAAAAAAAAAAAAAAADwAAACADAAAAAAAAAAAAAAEAAACgMgAAVgcAAKr4//8BAAAAf39/AAEAAABkAAAAAAAAABQAAABAHwAAAAAAACYAAAAAAAAAwOD//wAAAAAmAAAAZAAAABYAAABMAAAAAAAAAAAAAAAEAAAAAAAAAAEAAACAgIAKAAAAACgAAAAoAAAAZAAAAGQAAAAAAAAAzMzMAAAAAABQAAAAUAAAAGQAAABkAAAAAAAAABcAAAAUAAAAAAAAAAAAAAD/fwAA/38AAAAAAAAJAAAABAAAAAAAAAAMAAAAEAAAAAAAAAAAAAAAAAAAAAAAAAAeAAAAaAAAAAAAAAAAAAAAAAAAAAAAAAAAAAAAECcAABAnAAAAAAAAAAAAAAAAAAAAAAAAAAAAAAAAAAAAAAAAAAAAABQAAAAAAAAAwMD/AAAAAABkAAAAMgAAAAAAAABkAAAAAAAAAH9/fwAKAAAAHwAAAFQAAAAAAAAFAAAAAQAAAAAAAAAAAAAAAAAAAAAAAAAAAAAAAAAAAAAAAAAAAAAAAn9/fwAAAAADzMzMAMDA/wB/f38AAAAAAAAAAAAAAAAAAAAAAAAAAAAhAAAAGAAAABQAAABQKAAAGycAAHA1AABZKQAAEAAAACYAAAAIAAAAAAAAAAAAAAA="/>
+                <pr:smNativeData xmlns:pr="smNativeData" val="SMDATA_13_B6msYxMAAAAlAAAAZAAAAA8BAAAAkAAAAEgAAACQAAAASAAAAAAAAAABAAAAAAAAAAEAAABQAAAAAAAAAAAA4D8AAAAAAADgPwAAAAAAAOA/AAAAAAAA4D8AAAAAAADgPwAAAAAAAOA/AAAAAAAA4D8AAAAAAADgPwAAAAAAAOA/AAAAAAAA4D8CAAAAjAAAAAAAAAAAAAAAu+DjDP///wgAAAAAAAAAAAAAAAAAAAAAAAAAAAAAAAAAAAAAZAAAAAEAAABAAAAAAAAAAAAAAAAAAAAAAAAAAAAAAAAAAAAAAAAAAAAAAAAAAAAAAAAAAAAAAAAAAAAAAAAAAAAAAAAAAAAAAAAAAAAAAAAAAAAAAAAAAAAAAAAAAAAAFAAAADwAAAAAAAAAAAAAAAAAAAkUAAAAAQAAABQAAAAUAAAAFAAAAAEAAAAAAAAAZAAAAGQAAAAAAAAAZAAAAGQAAAAVAAAAYAAAAAAAAAAAAAAADwAAACADAAAAAAAAAAAAAAEAAACgMgAAVgcAAKr4//8BAAAAf39/AAEAAABkAAAAAAAAABQAAABAHwAAAAAAACYAAAAAAAAAwOD//wAAAAAmAAAAZAAAABYAAABMAAAAAAAAAAAAAAAEAAAAAAAAAAEAAACAgIAKAAAAACgAAAAoAAAAZAAAAGQAAAAAAAAAzMzMAAAAAABQAAAAUAAAAGQAAABkAAAAAAAAABcAAAAUAAAAAAAAAAAAAAD/fwAA/38AAAAAAAAJAAAABAAAAAAAAAAMAAAAEAAAAAAAAAAAAAAAAAAAAAAAAAAeAAAAaAAAAAAAAAAAAAAAAAAAAAAAAAAAAAAAECcAABAnAAAAAAAAAAAAAAAAAAAAAAAAAAAAAAAAAAAAAAAAAAAAABQAAAAAAAAAwMD/AAAAAABkAAAAMgAAAAAAAABkAAAAAAAAAH9/fwAKAAAAHwAAAFQAAAAAAAAFAAAAAQAAAAAAAAAAAAAAAAAAAAAAAAAAAAAAAAAAAAAAAAAAAAAAAn9/fwAAAAADzMzMAMDA/wB/f38AAAAAAAAAAAAAAAAAAAAAAAAAAAAhAAAAGAAAABQAAABQKAAAGycAAHA1AABZKQAAEAAAACYAAAAIAAAAAAAAAAAAAAA="/>
               </a:ext>
             </a:extLst>
           </p:cNvSpPr>
@@ -2730,7 +2731,7 @@
           <a:lstStyle/>
           <a:p>
             <a:pPr/>
-            <a:fld id="{21E7CD22-6CCC-B23B-825F-9A6E831174CF}" type="slidenum">
+            <a:fld id="{1CA19B0F-41F1-F46D-BF19-B738D55749E2}" type="slidenum">
               <a:t/>
             </a:fld>
           </a:p>
@@ -2776,7 +2777,7 @@
             <a:spLocks noGrp="1" noChangeArrowheads="1"/>
             <a:extLst>
               <a:ext uri="smNativeData">
-                <pr:smNativeData xmlns:pr="smNativeData" val="SMDATA_13_cFGrYxMAAAAlAAAAZAAAAA8BAAAAkAAAAEgAAACQAAAASAAAAAAAAAABAAAAAAAAAAEAAABQAAAAAAAAAAAA4D8AAAAAAADgPwAAAAAAAOA/AAAAAAAA4D8AAAAAAADgPwAAAAAAAOA/AAAAAAAA4D8AAAAAAADgPwAAAAAAAOA/AAAAAAAA4D8CAAAAjAAAAAAAAAAAAAAAu+DjDP///wgAAAAAAAAAAAAAAAAAAAAAAAAAAAAAAAAAAAAAZAAAAAEAAABAAAAAAAAAAAAAAAAAAAAAAAAAAAAAAAAAAAAAAAAAAAAAAAAAAAAAAAAAAAAAAAAAAAAAAAAAAAAAAAAAAAAAAAAAAAAAAAAAAAAAAAAAAAAAAAAAAAAAFAAAADwAAAAAAAAAAAAAAAAAAAkUAAAAAQAAABQAAAAUAAAAFAAAAAEAAAAAAAAAZAAAAGQAAAAAAAAAZAAAAGQAAAAVAAAAYAAAAAAAAAAAAAAADwAAACADAAAAAAAAAAAAAAEAAACgMgAAVgcAAKr4//8BAAAAf39/AAEAAABkAAAAAAAAABQAAABAHwAAAAAAACYAAAAAAAAAwOD//wAAAAAmAAAAZAAAABYAAABMAAAAAAAAAAAAAAAEAAAAAAAAAAEAAACAgIAKAAAAACgAAAAoAAAAZAAAAGQAAAAAAAAAzMzMAAAAAABQAAAAUAAAAGQAAABkAAAAAAAAABcAAAAUAAAAAAAAAAAAAAD/fwAA/38AAAAAAAAJAAAABAAAAAAAAAAMAAAAEAAAAAAAAAAAAAAAAAAAAAAAAAAeAAAAaAAAAAAAAAAAAAAAAAAAAAAAAAAAAAAAECcAABAnAAAAAAAAAAAAAAAAAAAAAAAAAAAAAAAAAAAAAAAAAAAAABQAAAAAAAAAwMD/AAAAAABkAAAAMgAAAAAAAABkAAAAAAAAAH9/fwAKAAAAHwAAAFQAAAAAAAAFAAAAAQAAAAAAAAAAAAAAAAAAAAAAAAAAAAAAAAAAAAAAAAAAAAAAAn9/fwAAAAADzMzMAMDA/wB/f38AAAAAAAAAAAAAAAAAAAAAAAAAAAAhAAAAGAAAABQAAADQAgAAsAEAAHA1AAC4CAAAEAAAACYAAAAIAAAA//////////8="/>
+                <pr:smNativeData xmlns:pr="smNativeData" val="SMDATA_13_B6msYxMAAAAlAAAAZAAAAA8BAAAAkAAAAEgAAACQAAAASAAAAAAAAAABAAAAAAAAAAEAAABQAAAAAAAAAAAA4D8AAAAAAADgPwAAAAAAAOA/AAAAAAAA4D8AAAAAAADgPwAAAAAAAOA/AAAAAAAA4D8AAAAAAADgPwAAAAAAAOA/AAAAAAAA4D8CAAAAjAAAAAAAAAAAAAAAu+DjDP///wgAAAAAAAAAAAAAAAAAAAAAAAAAAAAAAAAAAAAAZAAAAAEAAABAAAAAAAAAAAAAAAAAAAAAAAAAAAAAAAAAAAAAAAAAAAAAAAAAAAAAAAAAAAAAAAAAAAAAAAAAAAAAAAAAAAAAAAAAAAAAAAAAAAAAAAAAAAAAAAAAAAAAFAAAADwAAAAAAAAAAAAAAAAAAAkUAAAAAQAAABQAAAAUAAAAFAAAAAEAAAAAAAAAZAAAAGQAAAAAAAAAZAAAAGQAAAAVAAAAYAAAAAAAAAAAAAAADwAAACADAAAAAAAAAAAAAAEAAACgMgAAVgcAAKr4//8BAAAAf39/AAEAAABkAAAAAAAAABQAAABAHwAAAAAAACYAAAAAAAAAwOD//wAAAAAmAAAAZAAAABYAAABMAAAAAAAAAAAAAAAEAAAAAAAAAAEAAACAgIAKAAAAACgAAAAoAAAAZAAAAGQAAAAAAAAAzMzMAAAAAABQAAAAUAAAAGQAAABkAAAAAAAAABcAAAAUAAAAAAAAAAAAAAD/fwAA/38AAAAAAAAJAAAABAAAAAAAAAAMAAAAEAAAAAAAAAAAAAAAAAAAAAAAAAAeAAAAaAAAAAAAAAAAAAAAAAAAAAAAAAAAAAAAECcAABAnAAAAAAAAAAAAAAAAAAAAAAAAAAAAAAAAAAAAAAAAAAAAABQAAAAAAAAAwMD/AAAAAABkAAAAMgAAAAAAAABkAAAAAAAAAH9/fwAKAAAAHwAAAFQAAAAAAAAFAAAAAQAAAAAAAAAAAAAAAAAAAAAAAAAAAAAAAAAAAAAAAAAAAAAAAn9/fwAAAAADzMzMAMDA/wB/f38AAAAAAAAAAAAAAAAAAAAAAAAAAAAhAAAAGAAAABQAAADQAgAAsAEAAHA1AAC4CAAAEAAAACYAAAAIAAAA//////////8="/>
               </a:ext>
             </a:extLst>
           </p:cNvSpPr>
@@ -2820,7 +2821,7 @@
             <a:spLocks noGrp="1" noChangeArrowheads="1"/>
             <a:extLst>
               <a:ext uri="smNativeData">
-                <pr:smNativeData xmlns:pr="smNativeData" val="SMDATA_13_cFGrYxMAAAAlAAAAZAAAAA8BAAAAkAAAAEgAAACQAAAASAAAAAAAAAAAAAAAAAAAAAEAAABQAAAAAAAAAAAA4D8AAAAAAADgPwAAAAAAAOA/AAAAAAAA4D8AAAAAAADgPwAAAAAAAOA/AAAAAAAA4D8AAAAAAADgPwAAAAAAAOA/AAAAAAAA4D8CAAAAjAAAAAAAAAAAAAAAu+DjDP///wgAAAAAAAAAAAAAAAAAAAAAAAAAAAAAAAAAAAAAZAAAAAEAAABAAAAAAAAAAAAAAAAAAAAAAAAAAAAAAAAAAAAAAAAAAAAAAAAAAAAAAAAAAAAAAAAAAAAAAAAAAAAAAAAAAAAAAAAAAAAAAAAAAAAAAAAAAAAAAAAAAAAAFAAAADwAAAAAAAAAAAAAAAAAAAkUAAAAAQAAABQAAAAUAAAAFAAAAAEAAAAAAAAAZAAAAGQAAAAAAAAAZAAAAGQAAAAVAAAAYAAAAAAAAAAAAAAADwAAACADAAAAAAAAAAAAAAEAAACgMgAAVgcAAKr4//8BAAAAf39/AAEAAABkAAAAAAAAABQAAABAHwAAAAAAACYAAAAAAAAAwOD//wAAAAAmAAAAZAAAABYAAABMAAAAAAAAAAAAAAAEAAAAAAAAAAEAAACAgIAKAAAAACgAAAAoAAAAZAAAAGQAAAAAAAAAzMzMAAAAAABQAAAAUAAAAGQAAABkAAAAAAAAABcAAAAUAAAAAAAAAAAAAAD/fwAA/38AAAAAAAAJAAAABAAAAAAAAAAMAAAAEAAAAAAAAAAAAAAAAAAAAAAAAAAeAAAAaAAAAAAAAAAAAAAAAAAAAAAAAAAAAAAAECcAABAnAAAAAAAAAAAAAAAAAAAAAAAAAAAAAAAAAAAAAAAAAAAAABQAAAAAAAAAwMD/AAAAAABkAAAAMgAAAAAAAABkAAAAAAAAAH9/fwAKAAAAHwAAAFQAAAAAAAAFAAAAAQAAAAAAAAAAAAAAAAAAAAAAAAAAAAAAAAAAAAAAAAAAAAAAAn9/fwAAAAADzMzMAMDA/wB/f38AAAAAAAAAAAAAAAAAAAAAAAAAAAAhAAAAGAAAABQAAADQAgAA2AkAAHA1AACwJQAAEAAAACYAAAAIAAAA//////////8="/>
+                <pr:smNativeData xmlns:pr="smNativeData" val="SMDATA_13_B6msYxMAAAAlAAAAZAAAAA8BAAAAkAAAAEgAAACQAAAASAAAAAAAAAAAAAAAAAAAAAEAAABQAAAAAAAAAAAA4D8AAAAAAADgPwAAAAAAAOA/AAAAAAAA4D8AAAAAAADgPwAAAAAAAOA/AAAAAAAA4D8AAAAAAADgPwAAAAAAAOA/AAAAAAAA4D8CAAAAjAAAAAAAAAAAAAAAu+DjDP///wgAAAAAAAAAAAAAAAAAAAAAAAAAAAAAAAAAAAAAZAAAAAEAAABAAAAAAAAAAAAAAAAAAAAAAAAAAAAAAAAAAAAAAAAAAAAAAAAAAAAAAAAAAAAAAAAAAAAAAAAAAAAAAAAAAAAAAAAAAAAAAAAAAAAAAAAAAAAAAAAAAAAAFAAAADwAAAAAAAAAAAAAAAAAAAkUAAAAAQAAABQAAAAUAAAAFAAAAAEAAAAAAAAAZAAAAGQAAAAAAAAAZAAAAGQAAAAVAAAAYAAAAAAAAAAAAAAADwAAACADAAAAAAAAAAAAAAEAAACgMgAAVgcAAKr4//8BAAAAf39/AAEAAABkAAAAAAAAABQAAABAHwAAAAAAACYAAAAAAAAAwOD//wAAAAAmAAAAZAAAABYAAABMAAAAAAAAAAAAAAAEAAAAAAAAAAEAAACAgIAKAAAAACgAAAAoAAAAZAAAAGQAAAAAAAAAzMzMAAAAAABQAAAAUAAAAGQAAABkAAAAAAAAABcAAAAUAAAAAAAAAAAAAAD/fwAA/38AAAAAAAAJAAAABAAAAAAAAAAMAAAAEAAAAAAAAAAAAAAAAAAAAAAAAAAeAAAAaAAAAAAAAAAAAAAAAAAAAAAAAAAAAAAAECcAABAnAAAAAAAAAAAAAAAAAAAAAAAAAAAAAAAAAAAAAAAAAAAAABQAAAAAAAAAwMD/AAAAAABkAAAAMgAAAAAAAABkAAAAAAAAAH9/fwAKAAAAHwAAAFQAAAAAAAAFAAAAAQAAAAAAAAAAAAAAAAAAAAAAAAAAAAAAAAAAAAAAAAAAAAAAAn9/fwAAAAADzMzMAMDA/wB/f38AAAAAAAAAAAAAAAAAAAAAAAAAAAAhAAAAGAAAABQAAADQAgAA2AkAAHA1AACwJQAAEAAAACYAAAAIAAAA//////////8="/>
               </a:ext>
             </a:extLst>
           </p:cNvSpPr>
@@ -2888,7 +2889,7 @@
             <a:spLocks noGrp="1" noChangeArrowheads="1"/>
             <a:extLst>
               <a:ext uri="smNativeData">
-                <pr:smNativeData xmlns:pr="smNativeData" val="SMDATA_13_cFGrYxMAAAAlAAAAZAAAAA8BAAAAkAAAAEgAAACQAAAASAAAAAAAAAABAAAAAAAAAAEAAABQAAAAAAAAAAAA4D8AAAAAAADgPwAAAAAAAOA/AAAAAAAA4D8AAAAAAADgPwAAAAAAAOA/AAAAAAAA4D8AAAAAAADgPwAAAAAAAOA/AAAAAAAA4D8CAAAAjAAAAAAAAAAAAAAAu+DjDP///wgAAAAAAAAAAAAAAAAAAAAAAAAAAAAAAAAAAAAAZAAAAAEAAABAAAAAAAAAAAAAAAAAAAAAAAAAAAAAAAAAAAAAAAAAAAAAAAAAAAAAAAAAAAAAAAAAAAAAAAAAAAAAAAAAAAAAAAAAAAAAAAAAAAAAAAAAAAAAAAAAAAAAFAAAADwAAAAAAAAAAAAAAAAAAAkUAAAAAQAAABQAAAAUAAAAFAAAAAEAAAAAAAAAZAAAAGQAAAAAAAAAZAAAAGQAAAAVAAAAYAAAAAAAAAAAAAAADwAAACADAAAAAAAAAAAAAAEAAACgMgAAVgcAAKr4//8BAAAAf39/AAEAAABkAAAAAAAAABQAAABAHwAAAAAAACYAAAAAAAAAwOD//wAAAAAmAAAAZAAAABYAAABMAAAAAAAAAAAAAAAEAAAAAAAAAAEAAACAgIAKAAAAACgAAAAoAAAAZAAAAGQAAAAAAAAAzMzMAAAAAABQAAAAUAAAAGQAAABkAAAAAAAAABcAAAAUAAAAAAAAAAAAAAD/fwAA/38AAAAAAAAJAAAABAAAAAAAAAAMAAAAEAAAAAAAAAAAAAAAAAAAAAAAAAAeAAAAaAAAAAAAAAAAAAAAAAAAAAAAAAAAAAAAECcAABAnAAAAAAAAAAAAAAAAAAAAAAAAAAAAAAAAAAAAAAAAAAAAABQAAAAAAAAAwMD/AAAAAABkAAAAMgAAAAAAAABkAAAAAAAAAH9/fwAKAAAAHwAAAFQAAAAAAAAFAAAAAQAAAAAAAAAAAAAAAAAAAAAAAAAAAAAAAAAAAAAAAAAAAAAAAn9/fwAAAAADzMzMAMDA/wB/f38AAAAAAAAAAAAAAAAAAAAAAAAAAAAhAAAAGAAAABQAAADQAgAAGycAAPAPAABZKQAAEAAAACYAAAAIAAAA//////////8="/>
+                <pr:smNativeData xmlns:pr="smNativeData" val="SMDATA_13_B6msYxMAAAAlAAAAZAAAAA8BAAAAkAAAAEgAAACQAAAASAAAAAAAAAABAAAAAAAAAAEAAABQAAAAAAAAAAAA4D8AAAAAAADgPwAAAAAAAOA/AAAAAAAA4D8AAAAAAADgPwAAAAAAAOA/AAAAAAAA4D8AAAAAAADgPwAAAAAAAOA/AAAAAAAA4D8CAAAAjAAAAAAAAAAAAAAAu+DjDP///wgAAAAAAAAAAAAAAAAAAAAAAAAAAAAAAAAAAAAAZAAAAAEAAABAAAAAAAAAAAAAAAAAAAAAAAAAAAAAAAAAAAAAAAAAAAAAAAAAAAAAAAAAAAAAAAAAAAAAAAAAAAAAAAAAAAAAAAAAAAAAAAAAAAAAAAAAAAAAAAAAAAAAFAAAADwAAAAAAAAAAAAAAAAAAAkUAAAAAQAAABQAAAAUAAAAFAAAAAEAAAAAAAAAZAAAAGQAAAAAAAAAZAAAAGQAAAAVAAAAYAAAAAAAAAAAAAAADwAAACADAAAAAAAAAAAAAAEAAACgMgAAVgcAAKr4//8BAAAAf39/AAEAAABkAAAAAAAAABQAAABAHwAAAAAAACYAAAAAAAAAwOD//wAAAAAmAAAAZAAAABYAAABMAAAAAAAAAAAAAAAEAAAAAAAAAAEAAACAgIAKAAAAACgAAAAoAAAAZAAAAGQAAAAAAAAAzMzMAAAAAABQAAAAUAAAAGQAAABkAAAAAAAAABcAAAAUAAAAAAAAAAAAAAD/fwAA/38AAAAAAAAJAAAABAAAAAAAAAAMAAAAEAAAAAAAAAAAAAAAAAAAAAAAAAAeAAAAaAAAAAAAAAAAAAAAAAAAAAAAAAAAAAAAECcAABAnAAAAAAAAAAAAAAAAAAAAAAAAAAAAAAAAAAAAAAAAAAAAABQAAAAAAAAAwMD/AAAAAABkAAAAMgAAAAAAAABkAAAAAAAAAH9/fwAKAAAAHwAAAFQAAAAAAAAFAAAAAQAAAAAAAAAAAAAAAAAAAAAAAAAAAAAAAAAAAAAAAAAAAAAAAn9/fwAAAAADzMzMAMDA/wB/f38AAAAAAAAAAAAAAAAAAAAAAAAAAAAhAAAAGAAAABQAAADQAgAAGycAAPAPAABZKQAAEAAAACYAAAAIAAAA//////////8="/>
               </a:ext>
             </a:extLst>
           </p:cNvSpPr>
@@ -2923,7 +2924,7 @@
           </a:lstStyle>
           <a:p>
             <a:pPr/>
-            <a:fld id="{21E79D1B-55CC-B26B-825F-A33ED31174F6}" type="datetime1">
+            <a:fld id="{1CA1FAE6-A8F1-F40C-BF19-5E59B457490B}" type="datetime1">
               <a:t/>
             </a:fld>
           </a:p>
@@ -2936,7 +2937,7 @@
             <a:spLocks noGrp="1" noChangeArrowheads="1"/>
             <a:extLst>
               <a:ext uri="smNativeData">
-                <pr:smNativeData xmlns:pr="smNativeData" val="SMDATA_13_cFGrYxMAAAAlAAAAZAAAAA8BAAAAkAAAAEgAAACQAAAASAAAAAAAAAABAAAAAAAAAAEAAABQAAAAAAAAAAAA4D8AAAAAAADgPwAAAAAAAOA/AAAAAAAA4D8AAAAAAADgPwAAAAAAAOA/AAAAAAAA4D8AAAAAAADgPwAAAAAAAOA/AAAAAAAA4D8CAAAAjAAAAAAAAAAAAAAAu+DjDP///wgAAAAAAAAAAAAAAAAAAAAAAAAAAAAAAAAAAAAAZAAAAAEAAABAAAAAAAAAAAAAAAAAAAAAAAAAAAAAAAAAAAAAAAAAAAAAAAAAAAAAAAAAAAAAAAAAAAAAAAAAAAAAAAAAAAAAAAAAAAAAAAAAAAAAAAAAAAAAAAAAAAAAFAAAADwAAAAAAAAAAAAAAAAAAAkUAAAAAQAAABQAAAAUAAAAFAAAAAEAAAAAAAAAZAAAAGQAAAAAAAAAZAAAAGQAAAAVAAAAYAAAAAAAAAAAAAAADwAAACADAAAAAAAAAAAAAAEAAACgMgAAVgcAAKr4//8BAAAAf39/AAEAAABkAAAAAAAAABQAAABAHwAAAAAAACYAAAAAAAAAwOD//wAAAAAmAAAAZAAAABYAAABMAAAAAAAAAAAAAAAEAAAAAAAAAAEAAACAgIAKAAAAACgAAAAoAAAAZAAAAGQAAAAAAAAAzMzMAAAAAABQAAAAUAAAAGQAAABkAAAAAAAAABcAAAAUAAAAAAAAAAAAAAD/fwAA/38AAAAAAAAJAAAABAAAAAAAAAAMAAAAEAAAAAAAAAAAAAAAAAAAAAAAAAAeAAAAaAAAAAAAAAAAAAAAAAAAAAAAAAAAAAAAECcAABAnAAAAAAAAAAAAAAAAAAAAAAAAAAAAAAAAAAAAAAAAAAAAABQAAAAAAAAAwMD/AAAAAABkAAAAMgAAAAAAAABkAAAAAAAAAH9/fwAKAAAAHwAAAFQAAAAAAAAFAAAAAQAAAAAAAAAAAAAAAAAAAAAAAAAAAAAAAAAAAAAAAAAAAAAAAn9/fwAAAAADzMzMAMDA/wB/f38AAAAAAAAAAAAAAAAAAAAAAAAAAAAhAAAAGAAAABQAAAA4EwAAGycAAAglAABZKQAAEAAAACYAAAAIAAAA//////////8="/>
+                <pr:smNativeData xmlns:pr="smNativeData" val="SMDATA_13_B6msYxMAAAAlAAAAZAAAAA8BAAAAkAAAAEgAAACQAAAASAAAAAAAAAABAAAAAAAAAAEAAABQAAAAAAAAAAAA4D8AAAAAAADgPwAAAAAAAOA/AAAAAAAA4D8AAAAAAADgPwAAAAAAAOA/AAAAAAAA4D8AAAAAAADgPwAAAAAAAOA/AAAAAAAA4D8CAAAAjAAAAAAAAAAAAAAAu+DjDP///wgAAAAAAAAAAAAAAAAAAAAAAAAAAAAAAAAAAAAAZAAAAAEAAABAAAAAAAAAAAAAAAAAAAAAAAAAAAAAAAAAAAAAAAAAAAAAAAAAAAAAAAAAAAAAAAAAAAAAAAAAAAAAAAAAAAAAAAAAAAAAAAAAAAAAAAAAAAAAAAAAAAAAFAAAADwAAAAAAAAAAAAAAAAAAAkUAAAAAQAAABQAAAAUAAAAFAAAAAEAAAAAAAAAZAAAAGQAAAAAAAAAZAAAAGQAAAAVAAAAYAAAAAAAAAAAAAAADwAAACADAAAAAAAAAAAAAAEAAACgMgAAVgcAAKr4//8BAAAAf39/AAEAAABkAAAAAAAAABQAAABAHwAAAAAAACYAAAAAAAAAwOD//wAAAAAmAAAAZAAAABYAAABMAAAAAAAAAAAAAAAEAAAAAAAAAAEAAACAgIAKAAAAACgAAAAoAAAAZAAAAGQAAAAAAAAAzMzMAAAAAABQAAAAUAAAAGQAAABkAAAAAAAAABcAAAAUAAAAAAAAAAAAAAD/fwAA/38AAAAAAAAJAAAABAAAAAAAAAAMAAAAEAAAAAAAAAAAAAAAAAAAAAAAAAAeAAAAaAAAAAAAAAAAAAAAAAAAAAAAAAAAAAAAECcAABAnAAAAAAAAAAAAAAAAAAAAAAAAAAAAAAAAAAAAAAAAAAAAABQAAAAAAAAAwMD/AAAAAABkAAAAMgAAAAAAAABkAAAAAAAAAH9/fwAKAAAAHwAAAFQAAAAAAAAFAAAAAQAAAAAAAAAAAAAAAAAAAAAAAAAAAAAAAAAAAAAAAAAAAAAAAn9/fwAAAAADzMzMAMDA/wB/f38AAAAAAAAAAAAAAAAAAAAAAAAAAAAhAAAAGAAAABQAAAA4EwAAGycAAAglAABZKQAAEAAAACYAAAAIAAAA//////////8="/>
               </a:ext>
             </a:extLst>
           </p:cNvSpPr>
@@ -2981,7 +2982,7 @@
             <a:spLocks noGrp="1" noChangeArrowheads="1"/>
             <a:extLst>
               <a:ext uri="smNativeData">
-                <pr:smNativeData xmlns:pr="smNativeData" val="SMDATA_13_cFGrYxMAAAAlAAAAZAAAAA8BAAAAkAAAAEgAAACQAAAASAAAAAAAAAABAAAAAAAAAAEAAABQAAAAAAAAAAAA4D8AAAAAAADgPwAAAAAAAOA/AAAAAAAA4D8AAAAAAADgPwAAAAAAAOA/AAAAAAAA4D8AAAAAAADgPwAAAAAAAOA/AAAAAAAA4D8CAAAAjAAAAAAAAAAAAAAAu+DjDP///wgAAAAAAAAAAAAAAAAAAAAAAAAAAAAAAAAAAAAAZAAAAAEAAABAAAAAAAAAAAAAAAAAAAAAAAAAAAAAAAAAAAAAAAAAAAAAAAAAAAAAAAAAAAAAAAAAAAAAAAAAAAAAAAAAAAAAAAAAAAAAAAAAAAAAAAAAAAAAAAAAAAAAFAAAADwAAAAAAAAAAAAAAAAAAAkUAAAAAQAAABQAAAAUAAAAFAAAAAEAAAAAAAAAZAAAAGQAAAAAAAAAZAAAAGQAAAAVAAAAYAAAAAAAAAAAAAAADwAAACADAAAAAAAAAAAAAAEAAACgMgAAVgcAAKr4//8BAAAAf39/AAEAAABkAAAAAAAAABQAAABAHwAAAAAAACYAAAAAAAAAwOD//wAAAAAmAAAAZAAAABYAAABMAAAAAAAAAAAAAAAEAAAAAAAAAAEAAACAgIAKAAAAACgAAAAoAAAAZAAAAGQAAAAAAAAAzMzMAAAAAABQAAAAUAAAAGQAAABkAAAAAAAAABcAAAAUAAAAAAAAAAAAAAD/fwAA/38AAAAAAAAJAAAABAAAAAAAAAAMAAAAEAAAAAAAAAAAAAAAAAAAAAAAAAAeAAAAaAAAAAAAAAAAAAAAAAAAAAAAAAAAAAAAECcAABAnAAAAAAAAAAAAAAAAAAAAAAAAAAAAAAAAAAAAAAAAAAAAABQAAAAAAAAAwMD/AAAAAABkAAAAMgAAAAAAAABkAAAAAAAAAH9/fwAKAAAAHwAAAFQAAAAAAAAFAAAAAQAAAAAAAAAAAAAAAAAAAAAAAAAAAAAAAAAAAAAAAAAAAAAAAn9/fwAAAAADzMzMAMDA/wB/f38AAAAAAAAAAAAAAAAAAAAAAAAAAAAhAAAAGAAAABQAAABQKAAAGycAAHA1AABZKQAAEAAAACYAAAAIAAAA//////////8="/>
+                <pr:smNativeData xmlns:pr="smNativeData" val="SMDATA_13_B6msYxMAAAAlAAAAZAAAAA8BAAAAkAAAAEgAAACQAAAASAAAAAAAAAABAAAAAAAAAAEAAABQAAAAAAAAAAAA4D8AAAAAAADgPwAAAAAAAOA/AAAAAAAA4D8AAAAAAADgPwAAAAAAAOA/AAAAAAAA4D8AAAAAAADgPwAAAAAAAOA/AAAAAAAA4D8CAAAAjAAAAAAAAAAAAAAAu+DjDP///wgAAAAAAAAAAAAAAAAAAAAAAAAAAAAAAAAAAAAAZAAAAAEAAABAAAAAAAAAAAAAAAAAAAAAAAAAAAAAAAAAAAAAAAAAAAAAAAAAAAAAAAAAAAAAAAAAAAAAAAAAAAAAAAAAAAAAAAAAAAAAAAAAAAAAAAAAAAAAAAAAAAAAFAAAADwAAAAAAAAAAAAAAAAAAAkUAAAAAQAAABQAAAAUAAAAFAAAAAEAAAAAAAAAZAAAAGQAAAAAAAAAZAAAAGQAAAAVAAAAYAAAAAAAAAAAAAAADwAAACADAAAAAAAAAAAAAAEAAACgMgAAVgcAAKr4//8BAAAAf39/AAEAAABkAAAAAAAAABQAAABAHwAAAAAAACYAAAAAAAAAwOD//wAAAAAmAAAAZAAAABYAAABMAAAAAAAAAAAAAAAEAAAAAAAAAAEAAACAgIAKAAAAACgAAAAoAAAAZAAAAGQAAAAAAAAAzMzMAAAAAABQAAAAUAAAAGQAAABkAAAAAAAAABcAAAAUAAAAAAAAAAAAAAD/fwAA/38AAAAAAAAJAAAABAAAAAAAAAAMAAAAEAAAAAAAAAAAAAAAAAAAAAAAAAAeAAAAaAAAAAAAAAAAAAAAAAAAAAAAAAAAAAAAECcAABAnAAAAAAAAAAAAAAAAAAAAAAAAAAAAAAAAAAAAAAAAAAAAABQAAAAAAAAAwMD/AAAAAABkAAAAMgAAAAAAAABkAAAAAAAAAH9/fwAKAAAAHwAAAFQAAAAAAAAFAAAAAQAAAAAAAAAAAAAAAAAAAAAAAAAAAAAAAAAAAAAAAAAAAAAAAn9/fwAAAAADzMzMAMDA/wB/f38AAAAAAAAAAAAAAAAAAAAAAAAAAAAhAAAAGAAAABQAAABQKAAAGycAAHA1AABZKQAAEAAAACYAAAAIAAAA//////////8="/>
               </a:ext>
             </a:extLst>
           </p:cNvSpPr>
@@ -3016,7 +3017,7 @@
           </a:lstStyle>
           <a:p>
             <a:pPr/>
-            <a:fld id="{21E7AABC-F2CC-B25C-825F-0409E4117451}" type="slidenum">
+            <a:fld id="{1CA18BCC-82F1-F47D-BF19-7428C5574921}" type="slidenum">
               <a:t/>
             </a:fld>
           </a:p>
@@ -3694,7 +3695,7 @@
           <p:cNvSpPr>
             <a:extLst>
               <a:ext uri="smNativeData">
-                <pr:smNativeData xmlns:pr="smNativeData" val="SMDATA_13_cFGrYxMAAAAlAAAAZAAAAA8BAAAAkAAAAEgAAACQAAAASAAAAAAAAAAAAAAAAAAAAAEAAABQAAAAAAAAAAAA4D8AAAAAAADgPwAAAAAAAOA/AAAAAAAA4D8AAAAAAADgPwAAAAAAAOA/AAAAAAAA4D8AAAAAAADgPwAAAAAAAOA/AAAAAAAA4D8CAAAAjAAAAAEAAAAAAAAAAAAACf///wgAAAAAAAAAAAAAAAAAAAAAAAAAAAAAAAAAAAAAZAAAAAEAAABAAAAAAAAAAAAAAAAAAAAAAAAAAAAAAAAAAAAAAAAAAAAAAAAAAAAAAAAAAAAAAAAAAAAAAAAAAAAAAAAAAAAAAAAAAAAAAAAAAAAAAAAAAAAAAAAAAAAAFAAAADwAAAABAAAAAAAAAAAAAAkUAAAAAQAAABQAAAAUAAAAFAAAAAEAAAAAAAAAZAAAAGQAAAAAAAAAZAAAAGQAAAAVAAAAYAAAAAAAAAAAAAAADwAAACADAAAAAAAAAAAAAAEAAACgMgAAVgcAAKr4//8BAAAAf39/AAEAAABkAAAAAAAAABQAAABAHwAAAAAAACYAAAAAAAAAwOD//wAAAAAmAAAAZAAAABYAAABMAAAAAAAAAAAAAAAEAAAAAAAAAAEAAACAgIAKAAAAACgAAAAoAAAAZAAAAGQAAAAAAAAAzMzMAAAAAABQAAAAUAAAAGQAAABkAAAAAAAAABcAAAAUAAAAAAAAAAAAAAD/fwAA/38AAAAAAAAJAAAABAAAAAAAAAAMAAAAEAAAAAAAAAAAAAAAAAAAAAAAAAAeAAAAaAAAAAAAAAAAAAAAAAAAAAAAAAAAAAAAECcAABAnAAAAAAAAAAAAAAAAAAAAAAAAAAAAAAAAAAAAAAAAAAAAABQAAAAAAAAAwMD/AAAAAABkAAAAMgAAAAAAAABkAAAAAAAAAH9/fwAKAAAAHwAAAFQAAAAAAAAC////AQAAAAAAAAAAAAAAAAAAAAAAAAAAAAAAAAAAAAAAAAAAAAAAAn9/fwCAgIADzMzMAMDA/wB/f38AAAAAAAAAAAAAAAAAAAAAAAAAAAAhAAAAGAAAABQAAABTAQAA4wAAANEqAADlDwAAEAAAACYAAAAIAAAA//////////8="/>
+                <pr:smNativeData xmlns:pr="smNativeData" val="SMDATA_13_B6msYxMAAAAlAAAAZAAAAA8BAAAAkAAAAEgAAACQAAAASAAAAAAAAAAAAAAAAAAAAAEAAABQAAAAAAAAAAAA4D8AAAAAAADgPwAAAAAAAOA/AAAAAAAA4D8AAAAAAADgPwAAAAAAAOA/AAAAAAAA4D8AAAAAAADgPwAAAAAAAOA/AAAAAAAA4D8CAAAAjAAAAAEAAAAAAAAAAAAACf///wgAAAAAAAAAAAAAAAAAAAAAAAAAAAAAAAAAAAAAZAAAAAEAAABAAAAAAAAAAAAAAAAAAAAAAAAAAAAAAAAAAAAAAAAAAAAAAAAAAAAAAAAAAAAAAAAAAAAAAAAAAAAAAAAAAAAAAAAAAAAAAAAAAAAAAAAAAAAAAAAAAAAAFAAAADwAAAABAAAAAAAAAAAAAAkUAAAAAQAAABQAAAAUAAAAFAAAAAEAAAAAAAAAZAAAAGQAAAAAAAAAZAAAAGQAAAAVAAAAYAAAAAAAAAAAAAAADwAAACADAAAAAAAAAAAAAAEAAACgMgAAVgcAAKr4//8BAAAAf39/AAEAAABkAAAAAAAAABQAAABAHwAAAAAAACYAAAAAAAAAwOD//wAAAAAmAAAAZAAAABYAAABMAAAAAAAAAAAAAAAEAAAAAAAAAAEAAACAgIAKAAAAACgAAAAoAAAAZAAAAGQAAAAAAAAAzMzMAAAAAABQAAAAUAAAAGQAAABkAAAAAAAAABcAAAAUAAAAAAAAAAAAAAD/fwAA/38AAAAAAAAJAAAABAAAAAAAAAAMAAAAEAAAAAAAAAAAAAAAAAAAAAAAAAAeAAAAaAAAAAAAAAAAAAAAAAAAAAAAAAAAAAAAECcAABAnAAAAAAAAAAAAAAAAAAAAAAAAAAAAAAAAAAAAAAAAAAAAABQAAAAAAAAAwMD/AAAAAABkAAAAMgAAAAAAAABkAAAAAAAAAH9/fwAKAAAAHwAAAFQAAAAAAAAC////AQAAAAAAAAAAAAAAAAAAAAAAAAAAAAAAAAAAAAAAAAAAAAAAAn9/fwCAgIADzMzMAMDA/wB/f38AAAAAAAAAAAAAAAAAAAAAAAAAAAAhAAAAGAAAABQAAABTAQAA4wAAANEqAADlDwAAEAAAACYAAAAIAAAA//////////8="/>
               </a:ext>
             </a:extLst>
           </p:cNvSpPr>
@@ -3729,7 +3730,7 @@
             <a:picLocks noChangeAspect="1"/>
             <a:extLst>
               <a:ext uri="smNativeData">
-                <pr:smNativeData xmlns:pr="smNativeData" val="SMDATA_15_cFGrYxMAAAAlAAAAEQAAAC8BAAAAkAAAAEgAAACQAAAASAAAAAAAAAAAAAAAAAAAAAEAAABQAAAAAAAAAAAA4D8AAAAAAADgPwAAAAAAAOA/AAAAAAAA4D8AAAAAAADgPwAAAAAAAOA/AAAAAAAA4D8AAAAAAADgPwAAAAAAAOA/AAAAAAAA4D8CAAAAjAAAAAAAAAAAAAAAu+DjDP///wgAAAAAAAAAAAAAAAAAAAAAAAAAAAAAAAAAAAAAZAAAAAEAAABAAAAAAAAAAAAAAAAAAAAAAAAAAAAAAAAAAAAAAAAAAAAAAAAAAAAAAAAAAAAAAAAAAAAAAAAAAAAAAAAAAAAAAAAAAAAAAAAAAAAAAAAAAAAAAAAAAAAAFAAAADwAAAAAAAAAAAAAAAAAAAkUAAAAAQAAABQAAAAUAAAAFAAAAAEAAAAAAAAAZAAAAGQAAAAAAAAAZAAAAGQAAAAVAAAAYAAAAAAAAAAAAAAADwAAACADAAAAAAAAAAAAAAEAAACgMgAAVgcAAKr4//8BAAAAf39/AAEAAABkAAAAAAAAABQAAABAHwAAAAAAACYAAAAAAAAAwOD//wAAAAAmAAAAZAAAABYAAABMAAAAAAAAAAAAAAAEAAAAAAAAAAEAAACAgIAKAAAAACgAAAAoAAAAZAAAAGQAAAAAAAAAzMzMAAAAAABQAAAAUAAAAGQAAABkAAAAAAAAAAcAAAA4AAAAAAAAAAAAAAAAAAAA////AAAAAAAAAAAAAAAAAAAAAAAAAAAAAAAAAAAAAABkAAAAZAAAAAAAAAAjAAAABAAAAGQAAAAXAAAAFAAAAAAAAAAAAAAA/38AAP9/AAAAAAAACQAAAAQAAAAAAAAADAAAABAAAAAAAAAAAAAAAAAAAAAAAAAAHgAAAGgAAAAAAAAAAAAAAAAAAAAAAAAAAAAAABAnAAAQJwAAAAAAAAAAAAAAAAAAAAAAAAAAAAAAAAAAAAAAAAAAAAAUAAAAAAAAAMDA/wAAAAAAZAAAADIAAAAAAAAAZAAAAAAAAAB/f38ACgAAAB8AAABUAAAAu+DjBf///wEAAAAAAAAAAAAAAAAAAAAAAAAAAAAAAAAAAAAAAAAAAAAAAAJ/f38AgICAA8zMzADAwP8Af39/AAAAAAAAAAAAAAAAAP///wAAAAAAIQAAABgAAAAUAAAA3gsAAFUBAAAsIAAA5w4AABAAAAAmAAAACAAAAP//////////"/>
+                <pr:smNativeData xmlns:pr="smNativeData" val="SMDATA_15_B6msYxMAAAAlAAAAEQAAAC8BAAAAkAAAAEgAAACQAAAASAAAAAAAAAAAAAAAAAAAAAEAAABQAAAAAAAAAAAA4D8AAAAAAADgPwAAAAAAAOA/AAAAAAAA4D8AAAAAAADgPwAAAAAAAOA/AAAAAAAA4D8AAAAAAADgPwAAAAAAAOA/AAAAAAAA4D8CAAAAjAAAAAAAAAAAAAAAu+DjDP///wgAAAAAAAAAAAAAAAAAAAAAAAAAAAAAAAAAAAAAZAAAAAEAAABAAAAAAAAAAAAAAAAAAAAAAAAAAAAAAAAAAAAAAAAAAAAAAAAAAAAAAAAAAAAAAAAAAAAAAAAAAAAAAAAAAAAAAAAAAAAAAAAAAAAAAAAAAAAAAAAAAAAAFAAAADwAAAAAAAAAAAAAAAAAAAkUAAAAAQAAABQAAAAUAAAAFAAAAAEAAAAAAAAAZAAAAGQAAAAAAAAAZAAAAGQAAAAVAAAAYAAAAAAAAAAAAAAADwAAACADAAAAAAAAAAAAAAEAAACgMgAAVgcAAKr4//8BAAAAf39/AAEAAABkAAAAAAAAABQAAABAHwAAAAAAACYAAAAAAAAAwOD//wAAAAAmAAAAZAAAABYAAABMAAAAAAAAAAAAAAAEAAAAAAAAAAEAAACAgIAKAAAAACgAAAAoAAAAZAAAAGQAAAAAAAAAzMzMAAAAAABQAAAAUAAAAGQAAABkAAAAAAAAAAcAAAA4AAAAAAAAAAAAAAAAAAAA////AAAAAAAAAAAAAAAAAAAAAAAAAAAAAAAAAAAAAABkAAAAZAAAAAAAAAAjAAAABAAAAGQAAAAXAAAAFAAAAAAAAAAAAAAA/38AAP9/AAAAAAAACQAAAAQAAAAAAAAADAAAABAAAAAAAAAAAAAAAAAAAAAAAAAAHgAAAGgAAAAAAAAAAAAAAAAAAAAAAAAAAAAAABAnAAAQJwAAAAAAAAAAAAAAAAAAAAAAAAAAAAAAAAAAAAAAAAAAAAAUAAAAAAAAAMDA/wAAAAAAZAAAADIAAAAAAAAAZAAAAAAAAAB/f38ACgAAAB8AAABUAAAAu+DjBf///wEAAAAAAAAAAAAAAAAAAAAAAAAAAAAAAAAAAAAAAAAAAAAAAAJ/f38AgICAA8zMzADAwP8Af39/AAAAAAAAAAAAAAAAAP///wAAAAAAIQAAABgAAAAUAAAA3gsAAFUBAAAsIAAA5w4AABAAAAAmAAAACAAAAP//////////"/>
               </a:ext>
             </a:extLst>
           </p:cNvPicPr>
@@ -3763,7 +3764,7 @@
             <a:picLocks noChangeAspect="1"/>
             <a:extLst>
               <a:ext uri="smNativeData">
-                <pr:smNativeData xmlns:pr="smNativeData" val="SMDATA_15_cFGrYxMAAAAlAAAAEQAAAC8BAAAAkAAAAEgAAACQAAAASAAAAAAAAAAAAAAAAAAAAAEAAABQAAAAAAAAAAAA4D8AAAAAAADgPwAAAAAAAOA/AAAAAAAA4D8AAAAAAADgPwAAAAAAAOA/AAAAAAAA4D8AAAAAAADgPwAAAAAAAOA/AAAAAAAA4D8CAAAAjAAAAAAAAAAAAAAAu+DjDP///wgAAAAAAAAAAAAAAAAAAAAAAAAAAAAAAAAAAAAAZAAAAAEAAABAAAAAAAAAAAAAAAAAAAAAAAAAAAAAAAAAAAAAAAAAAAAAAAAAAAAAAAAAAAAAAAAAAAAAAAAAAAAAAAAAAAAAAAAAAAAAAAAAAAAAAAAAAAAAAAAAAAAAFAAAADwAAAABAAAAAAAAAAAAAAsUAAAAAQAAABQAAAAUAAAAFAAAAAEAAAAAAAAAZAAAAGQAAAAAAAAAZAAAAGQAAAAVAAAAYAAAAAAAAAAAAAAADwAAACADAAAAAAAAAAAAAAEAAACgMgAAAAAAAAAAAAABAAAAf39/AAEAAABkAAAAAAAAABQAAABAHwAAAAAAACYAAAAAAAAAwOD//wAAAAAmAAAAZAAAABYAAABMAAAAAAAAAAAAAAAEAAAAAAAAAAEAAACAgIAKAAAAACgAAAAoAAAAZAAAAGQAAAAAAAAAzMzMAAAAAABQAAAAUAAAAGQAAABkAAAAAAAAAAcAAAA4AAAAAAAAAAAAAAAAAAAA////AAAAAAAAAAAAAAAAAAAAAAAAAAAAAAAAAAAAAABkAAAAZAAAAAAAAAAjAAAABAAAAGQAAAAXAAAAFAAAAAAAAAAAAAAA/38AAP9/AAAAAAAACQAAAAQAAAAAAAAADAAAABAAAAAAAAAAAAAAAAAAAAAAAAAAHgAAAGgAAAAAAAAAAAAAAAAAAAAAAAAAAAAAABAnAAAQJwAAAAAAAAAAAAAAAAAAAAAAAAAAAAAAAAAAAAAAAAAAAAAUAAAAAAAAAMDA/wAAAAAAZAAAADIAAAAAAAAAZAAAAAAAAAB/f38ACgAAAB8AAABUAAAAu+DjBf///wEAAAAAAAAAAAAAAAAAAAAAAAAAAAAAAAAAAAAAAAAAAAAAAAR/f38AgICAA8zMzADAwP8Af39/AAAAAAAAAAAAAAAAAP///wAAAAAAIQAAABgAAAAUAAAAbQEAADkBAAB6CwAANA8AABAAAAAmAAAACAAAAP//////////"/>
+                <pr:smNativeData xmlns:pr="smNativeData" val="SMDATA_15_B6msYxMAAAAlAAAAEQAAAC8BAAAAkAAAAEgAAACQAAAASAAAAAAAAAAAAAAAAAAAAAEAAABQAAAAAAAAAAAA4D8AAAAAAADgPwAAAAAAAOA/AAAAAAAA4D8AAAAAAADgPwAAAAAAAOA/AAAAAAAA4D8AAAAAAADgPwAAAAAAAOA/AAAAAAAA4D8CAAAAjAAAAAAAAAAAAAAAu+DjDP///wgAAAAAAAAAAAAAAAAAAAAAAAAAAAAAAAAAAAAAZAAAAAEAAABAAAAAAAAAAAAAAAAAAAAAAAAAAAAAAAAAAAAAAAAAAAAAAAAAAAAAAAAAAAAAAAAAAAAAAAAAAAAAAAAAAAAAAAAAAAAAAAAAAAAAAAAAAAAAAAAAAAAAFAAAADwAAAABAAAAAAAAAAAAAAsUAAAAAQAAABQAAAAUAAAAFAAAAAEAAAAAAAAAZAAAAGQAAAAAAAAAZAAAAGQAAAAVAAAAYAAAAAAAAAAAAAAADwAAACADAAAAAAAAAAAAAAEAAACgMgAAAAAAAAAAAAABAAAAf39/AAEAAABkAAAAAAAAABQAAABAHwAAAAAAACYAAAAAAAAAwOD//wAAAAAmAAAAZAAAABYAAABMAAAAAAAAAAAAAAAEAAAAAAAAAAEAAACAgIAKAAAAACgAAAAoAAAAZAAAAGQAAAAAAAAAzMzMAAAAAABQAAAAUAAAAGQAAABkAAAAAAAAAAcAAAA4AAAAAAAAAAAAAAAAAAAA////AAAAAAAAAAAAAAAAAAAAAAAAAAAAAAAAAAAAAABkAAAAZAAAAAAAAAAjAAAABAAAAGQAAAAXAAAAFAAAAAAAAAAAAAAA/38AAP9/AAAAAAAACQAAAAQAAAAAAAAADAAAABAAAAAAAAAAAAAAAAAAAAAAAAAAHgAAAGgAAAAAAAAAAAAAAAAAAAAAAAAAAAAAABAnAAAQJwAAAAAAAAAAAAAAAAAAAAAAAAAAAAAAAAAAAAAAAAAAAAAUAAAAAAAAAMDA/wAAAAAAZAAAADIAAAAAAAAAZAAAAAAAAAB/f38ACgAAAB8AAABUAAAAu+DjBf///wEAAAAAAAAAAAAAAAAAAAAAAAAAAAAAAAAAAAAAAAAAAAAAAAR/f38AgICAA8zMzADAwP8Af39/AAAAAAAAAAAAAAAAAP///wAAAAAAIQAAABgAAAAUAAAAbQEAADkBAAB6CwAANA8AABAAAAAmAAAACAAAAP//////////"/>
               </a:ext>
             </a:extLst>
           </p:cNvPicPr>
@@ -3802,7 +3803,7 @@
             <a:picLocks noChangeAspect="1"/>
             <a:extLst>
               <a:ext uri="smNativeData">
-                <pr:smNativeData xmlns:pr="smNativeData" val="SMDATA_15_cFGrYxMAAAAlAAAAEQAAAC8BAAAAkAAAAEgAAACQAAAASAAAAAAAAAAAAAAAAAAAAAEAAABQAAAAAAAAAAAA4D8AAAAAAADgPwAAAAAAAOA/AAAAAAAA4D8AAAAAAADgPwAAAAAAAOA/AAAAAAAA4D8AAAAAAADgPwAAAAAAAOA/AAAAAAAA4D8CAAAAjAAAAAAAAAAAAAAAu+DjDP///wgAAAAAAAAAAAAAAAAAAAAAAAAAAAAAAAAAAAAAZAAAAAEAAABAAAAAAAAAAAAAAAAAAAAAAAAAAAAAAAAAAAAAAAAAAAAAAAAAAAAAAAAAAAAAAAAAAAAAAAAAAAAAAAAAAAAAAAAAAAAAAAAAAAAAAAAAAAAAAAAAAAAAFAAAADwAAAAAAAAAAAAAAAAAAAkUAAAAAQAAABQAAAAUAAAAFAAAAAEAAAAAAAAAZAAAAGQAAAAAAAAAZAAAAGQAAAAVAAAAYAAAAAAAAAAAAAAADwAAACADAAAAAAAAAAAAAAEAAACgMgAAVgcAAKr4//8BAAAAf39/AAEAAABkAAAAAAAAABQAAABAHwAAAAAAACYAAAAAAAAAwOD//wAAAAAmAAAAZAAAABYAAABMAAAAAAAAAAAAAAAEAAAAAAAAAAEAAACAgIAKAAAAACgAAAAoAAAAZAAAAGQAAAAAAAAAzMzMAAAAAABQAAAAUAAAAGQAAABkAAAAAAAAAAcAAAA4AAAAAAAAAAAAAAAAAAAA////AAAAAAAAAAAAAAAAAAAAAAAAAAAAAAAAAAAAAABkAAAAZAAAAAAAAAAjAAAABAAAAGQAAAAXAAAAFAAAAAAAAAAAAAAA/38AAP9/AAAAAAAACQAAAAQAAACcxxIMDAAAABAAAAAAAAAAAAAAAAAAAAAAAAAAHgAAAGgAAAAAAAAAAAAAAAAAAAAAAAAAAAAAABAnAAAQJwAAAAAAAAAAAAAAAAAAAAAAAAAAAAAAAAAAAAAAAAAAAAAUAAAAAAAAAMDA/wAAAAAAZAAAADIAAAAAAAAAZAAAAAAAAAB/f38ACgAAAB8AAABUAAAAu+DjBf///wEAAAAAAAAAAAAAAAAAAAAAAAAAAAAAAAAAAAAAAAAAAAAAAAJ/f38AgICAA8zMzADAwP8Af39/AAAAAAAAAAAAAAAAAP///wAAAAAAIQAAABgAAAAUAAAAOSAAAAYBAABtKgAA0A4AABAAAAAmAAAACAAAAP//////////"/>
+                <pr:smNativeData xmlns:pr="smNativeData" val="SMDATA_15_B6msYxMAAAAlAAAAEQAAAC8BAAAAkAAAAEgAAACQAAAASAAAAAAAAAAAAAAAAAAAAAEAAABQAAAAAAAAAAAA4D8AAAAAAADgPwAAAAAAAOA/AAAAAAAA4D8AAAAAAADgPwAAAAAAAOA/AAAAAAAA4D8AAAAAAADgPwAAAAAAAOA/AAAAAAAA4D8CAAAAjAAAAAAAAAAAAAAAu+DjDP///wgAAAAAAAAAAAAAAAAAAAAAAAAAAAAAAAAAAAAAZAAAAAEAAABAAAAAAAAAAAAAAAAAAAAAAAAAAAAAAAAAAAAAAAAAAAAAAAAAAAAAAAAAAAAAAAAAAAAAAAAAAAAAAAAAAAAAAAAAAAAAAAAAAAAAAAAAAAAAAAAAAAAAFAAAADwAAAAAAAAAAAAAAAAAAAkUAAAAAQAAABQAAAAUAAAAFAAAAAEAAAAAAAAAZAAAAGQAAAAAAAAAZAAAAGQAAAAVAAAAYAAAAAAAAAAAAAAADwAAACADAAAAAAAAAAAAAAEAAACgMgAAVgcAAKr4//8BAAAAf39/AAEAAABkAAAAAAAAABQAAABAHwAAAAAAACYAAAAAAAAAwOD//wAAAAAmAAAAZAAAABYAAABMAAAAAAAAAAAAAAAEAAAAAAAAAAEAAACAgIAKAAAAACgAAAAoAAAAZAAAAGQAAAAAAAAAzMzMAAAAAABQAAAAUAAAAGQAAABkAAAAAAAAAAcAAAA4AAAAAAAAAAAAAAAAAAAA////AAAAAAAAAAAAAAAAAAAAAAAAAAAAAAAAAAAAAABkAAAAZAAAAAAAAAAjAAAABAAAAGQAAAAXAAAAFAAAAAAAAAAAAAAA/38AAP9/AAAAAAAACQAAAAQAAACcxxIMDAAAABAAAAAAAAAAAAAAAAAAAAAAAAAAHgAAAGgAAAAAAAAAAAAAAAAAAAAAAAAAAAAAABAnAAAQJwAAAAAAAAAAAAAAAAAAAAAAAAAAAAAAAAAAAAAAAAAAAAAUAAAAAAAAAMDA/wAAAAAAZAAAADIAAAAAAAAAZAAAAAAAAAB/f38ACgAAAB8AAABUAAAAu+DjBf///wEAAAAAAAAAAAAAAAAAAAAAAAAAAAAAAAAAAAAAAAAAAAAAAAJ/f38AgICAA8zMzADAwP8Af39/AAAAAAAAAAAAAAAAAP///wAAAAAAIQAAABgAAAAUAAAAOSAAAAYBAABtKgAA0A4AABAAAAAmAAAACAAAAP//////////"/>
               </a:ext>
             </a:extLst>
           </p:cNvPicPr>
@@ -3868,7 +3869,7 @@
             <a:picLocks noChangeAspect="1"/>
             <a:extLst>
               <a:ext uri="smNativeData">
-                <pr:smNativeData xmlns:pr="smNativeData" val="SMDATA_15_cFGrYxMAAAAlAAAAEQAAAC8BAAAAkAAAAEgAAACQAAAASAAAAAAAAAAAAAAAAAAAAAEAAABQAAAAAAAAAAAA4D8AAAAAAADgPwAAAAAAAOA/AAAAAAAA4D8AAAAAAADgPwAAAAAAAOA/AAAAAAAA4D8AAAAAAADgPwAAAAAAAOA/AAAAAAAA4D8CAAAAjAAAAAAAAAAAAAAAu+DjDP///wgAAAAAAAAAAAAAAAAAAAAAAAAAAAAAAAAAAAAAZAAAAAEAAABAAAAAAAAAAAAAAAAAAAAAAAAAAAAAAAAAAAAAAAAAAAAAAAAAAAAAAAAAAAAAAAAAAAAAAAAAAAAAAAAAAAAAAAAAAAAAAAAAAAAAAAAAAAAAAAAAAAAAFAAAADwAAAAAAAAAAAAAAAAAAAkUAAAAAQAAABQAAAAUAAAAFAAAAAEAAAAAAAAAZAAAAGQAAAAAAAAAZAAAAGQAAAAVAAAAYAAAAAAAAAAAAAAADwAAACADAAAAAAAAAAAAAAEAAACgMgAAVgcAAKr4//8BAAAAf39/AAEAAABkAAAAAAAAABQAAABAHwAAAAAAACYAAAAAAAAAwOD//wAAAAAmAAAAZAAAABYAAABMAAAAAAAAAAAAAAAEAAAAAAAAAAEAAACAgIAKAAAAACgAAAAoAAAAZAAAAGQAAAAAAAAAzMzMAAAAAABQAAAAUAAAAGQAAABkAAAAAAAAAAcAAAA4AAAAAAAAAAAAAAAAAAAA////AAAAAAAAAAAAAAAAAAAAAAAAAAAAAAAAAAAAAABkAAAAZAAAAAAAAAAjAAAABAAAAGQAAAAXAAAAFAAAAAAAAAAAAAAA/38AAP9/AAAAAAAACQAAAAQAAAD/////DAAAABAAAAAAAAAAAAAAAAAAAAAAAAAAHgAAAGgAAAAAAAAAAAAAAAAAAAAAAAAAAAAAABAnAAAQJwAAAAAAAAAAAAAAAAAAAAAAAAAAAAAAAAAAAAAAAAAAAAAUAAAAAAAAAMDA/wAAAAAAZAAAADIAAAAAAAAAZAAAAAAAAAB/f38ACgAAAB8AAABUAAAAu+DjBf///wEAAAAAAAAAAAAAAAAAAAAAAAAAAAAAAAAAAAAAAAAAAAAAAAJ/f38AgICAA8zMzADAwP8Af39/AAAAAAAAAAAAAAAAAP///wAAAAAAIQAAABgAAAAUAAAAKg0AAAIPAABHGAAAUxkAABAAAAAmAAAACAAAAP//////////"/>
+                <pr:smNativeData xmlns:pr="smNativeData" val="SMDATA_15_B6msYxMAAAAlAAAAEQAAAC8BAAAAkAAAAEgAAACQAAAASAAAAAAAAAAAAAAAAAAAAAEAAABQAAAAAAAAAAAA4D8AAAAAAADgPwAAAAAAAOA/AAAAAAAA4D8AAAAAAADgPwAAAAAAAOA/AAAAAAAA4D8AAAAAAADgPwAAAAAAAOA/AAAAAAAA4D8CAAAAjAAAAAAAAAAAAAAAu+DjDP///wgAAAAAAAAAAAAAAAAAAAAAAAAAAAAAAAAAAAAAZAAAAAEAAABAAAAAAAAAAAAAAAAAAAAAAAAAAAAAAAAAAAAAAAAAAAAAAAAAAAAAAAAAAAAAAAAAAAAAAAAAAAAAAAAAAAAAAAAAAAAAAAAAAAAAAAAAAAAAAAAAAAAAFAAAADwAAAAAAAAAAAAAAAAAAAkUAAAAAQAAABQAAAAUAAAAFAAAAAEAAAAAAAAAZAAAAGQAAAAAAAAAZAAAAGQAAAAVAAAAYAAAAAAAAAAAAAAADwAAACADAAAAAAAAAAAAAAEAAACgMgAAVgcAAKr4//8BAAAAf39/AAEAAABkAAAAAAAAABQAAABAHwAAAAAAACYAAAAAAAAAwOD//wAAAAAmAAAAZAAAABYAAABMAAAAAAAAAAAAAAAEAAAAAAAAAAEAAACAgIAKAAAAACgAAAAoAAAAZAAAAGQAAAAAAAAAzMzMAAAAAABQAAAAUAAAAGQAAABkAAAAAAAAAAcAAAA4AAAAAAAAAAAAAAAAAAAA////AAAAAAAAAAAAAAAAAAAAAAAAAAAAAAAAAAAAAABkAAAAZAAAAAAAAAAjAAAABAAAAGQAAAAXAAAAFAAAAAAAAAAAAAAA/38AAP9/AAAAAAAACQAAAAQAAAD/////DAAAABAAAAAAAAAAAAAAAAAAAAAAAAAAHgAAAGgAAAAAAAAAAAAAAAAAAAAAAAAAAAAAABAnAAAQJwAAAAAAAAAAAAAAAAAAAAAAAAAAAAAAAAAAAAAAAAAAAAAUAAAAAAAAAMDA/wAAAAAAZAAAADIAAAAAAAAAZAAAAAAAAAB/f38ACgAAAB8AAABUAAAAu+DjBf///wEAAAAAAAAAAAAAAAAAAAAAAAAAAAAAAAAAAAAAAAAAAAAAAAJ/f38AgICAA8zMzADAwP8Af39/AAAAAAAAAAAAAAAAAP///wAAAAAAIQAAABgAAAAUAAAAKg0AAAIPAABHGAAAUxkAABAAAAAmAAAACAAAAP//////////"/>
               </a:ext>
             </a:extLst>
           </p:cNvPicPr>
@@ -3902,7 +3903,7 @@
             <a:picLocks noChangeAspect="1"/>
             <a:extLst>
               <a:ext uri="smNativeData">
-                <pr:smNativeData xmlns:pr="smNativeData" val="SMDATA_15_cFGrYxMAAAAlAAAAEQAAAC8BAAAAkAAAAEgAAACQAAAASAAAAAAAAAAAAAAAAAAAAAEAAABQAAAAAAAAAAAA4D8AAAAAAADgPwAAAAAAAOA/AAAAAAAA4D8AAAAAAADgPwAAAAAAAOA/AAAAAAAA4D8AAAAAAADgPwAAAAAAAOA/AAAAAAAA4D8CAAAAjAAAAAAAAAAAAAAAu+DjDP///wgAAAAAAAAAAAAAAAAAAAAAAAAAAAAAAAAAAAAAZAAAAAEAAABAAAAAAAAAAAAAAAAAAAAAAAAAAAAAAAAAAAAAAAAAAAAAAAAAAAAAAAAAAAAAAAAAAAAAAAAAAAAAAAAAAAAAAAAAAAAAAAAAAAAAAAAAAAAAAAAAAAAAFAAAADwAAAAAAAAAAAAAAAAAAAkUAAAAAQAAABQAAAAUAAAAFAAAAAEAAAAAAAAAZAAAAGQAAAAAAAAAZAAAAGQAAAAVAAAAYAAAAAAAAAAAAAAADwAAACADAAAAAAAAAAAAAAEAAACgMgAAVgcAAKr4//8BAAAAf39/AAEAAABkAAAAAAAAABQAAABAHwAAAAAAACYAAAAAAAAAwOD//wAAAAAmAAAAZAAAABYAAABMAAAAAAAAAAAAAAAEAAAAAAAAAAEAAACAgIAKAAAAACgAAAAoAAAAZAAAAGQAAAAAAAAAzMzMAAAAAABQAAAAUAAAAGQAAABkAAAAAAAAAAcAAAA4AAAAAAAAAAAAAAAAAAAA////AAAAAAAAAAAAAAAAAAAAAAAAAAAAAAAAAAAAAABkAAAAZAAAAAAAAAAjAAAABAAAAGQAAAAXAAAAFAAAAAAAAAAAAAAA/38AAP9/AAAAAAAACQAAAAQAAAC6AgAADAAAABAAAAAAAAAAAAAAAAAAAAAAAAAAHgAAAGgAAAAAAAAAAAAAAAAAAAAAAAAAAAAAABAnAAAQJwAAAAAAAAAAAAAAAAAAAAAAAAAAAAAAAAAAAAAAAAAAAAAUAAAAAAAAAMDA/wAAAAAAZAAAADIAAAAAAAAAZAAAAAAAAAB/f38ACgAAAB8AAABUAAAAu+DjBf///wEAAAAAAAAAAAAAAAAAAAAAAAAAAAAAAAAAAAAAAAAAAAAAAAJ/f38AgICAA8zMzADAwP8Af39/AAAAAAAAAAAAAAAAAP///wAAAAAAIQAAABgAAAAUAAAAVRgAAAIPAAAEIwAAKRkAABAAAAAmAAAACAAAAP//////////"/>
+                <pr:smNativeData xmlns:pr="smNativeData" val="SMDATA_15_B6msYxMAAAAlAAAAEQAAAC8BAAAAkAAAAEgAAACQAAAASAAAAAAAAAAAAAAAAAAAAAEAAABQAAAAAAAAAAAA4D8AAAAAAADgPwAAAAAAAOA/AAAAAAAA4D8AAAAAAADgPwAAAAAAAOA/AAAAAAAA4D8AAAAAAADgPwAAAAAAAOA/AAAAAAAA4D8CAAAAjAAAAAAAAAAAAAAAu+DjDP///wgAAAAAAAAAAAAAAAAAAAAAAAAAAAAAAAAAAAAAZAAAAAEAAABAAAAAAAAAAAAAAAAAAAAAAAAAAAAAAAAAAAAAAAAAAAAAAAAAAAAAAAAAAAAAAAAAAAAAAAAAAAAAAAAAAAAAAAAAAAAAAAAAAAAAAAAAAAAAAAAAAAAAFAAAADwAAAAAAAAAAAAAAAAAAAkUAAAAAQAAABQAAAAUAAAAFAAAAAEAAAAAAAAAZAAAAGQAAAAAAAAAZAAAAGQAAAAVAAAAYAAAAAAAAAAAAAAADwAAACADAAAAAAAAAAAAAAEAAACgMgAAVgcAAKr4//8BAAAAf39/AAEAAABkAAAAAAAAABQAAABAHwAAAAAAACYAAAAAAAAAwOD//wAAAAAmAAAAZAAAABYAAABMAAAAAAAAAAAAAAAEAAAAAAAAAAEAAACAgIAKAAAAACgAAAAoAAAAZAAAAGQAAAAAAAAAzMzMAAAAAABQAAAAUAAAAGQAAABkAAAAAAAAAAcAAAA4AAAAAAAAAAAAAAAAAAAA////AAAAAAAAAAAAAAAAAAAAAAAAAAAAAAAAAAAAAABkAAAAZAAAAAAAAAAjAAAABAAAAGQAAAAXAAAAFAAAAAAAAAAAAAAA/38AAP9/AAAAAAAACQAAAAQAAAC6AgAADAAAABAAAAAAAAAAAAAAAAAAAAAAAAAAHgAAAGgAAAAAAAAAAAAAAAAAAAAAAAAAAAAAABAnAAAQJwAAAAAAAAAAAAAAAAAAAAAAAAAAAAAAAAAAAAAAAAAAAAAUAAAAAAAAAMDA/wAAAAAAZAAAADIAAAAAAAAAZAAAAAAAAAB/f38ACgAAAB8AAABUAAAAu+DjBf///wEAAAAAAAAAAAAAAAAAAAAAAAAAAAAAAAAAAAAAAAAAAAAAAAJ/f38AgICAA8zMzADAwP8Af39/AAAAAAAAAAAAAAAAAP///wAAAAAAIQAAABgAAAAUAAAAVRgAAAIPAAAEIwAAKRkAABAAAAAmAAAACAAAAP//////////"/>
               </a:ext>
             </a:extLst>
           </p:cNvPicPr>
@@ -3936,7 +3937,7 @@
             <a:picLocks noChangeAspect="1"/>
             <a:extLst>
               <a:ext uri="smNativeData">
-                <pr:smNativeData xmlns:pr="smNativeData" val="SMDATA_15_cFGrYxMAAAAlAAAAEQAAAC8BAAAAkAAAAEgAAACQAAAASAAAAAAAAAAAAAAAAAAAAAEAAABQAAAAAAAAAAAA4D8AAAAAAADgPwAAAAAAAOA/AAAAAAAA4D8AAAAAAADgPwAAAAAAAOA/AAAAAAAA4D8AAAAAAADgPwAAAAAAAOA/AAAAAAAA4D8CAAAAjAAAAAAAAAAAAAAAu+DjDP///wgAAAAAAAAAAAAAAAAAAAAAAAAAAAAAAAAAAAAAZAAAAAEAAABAAAAAAAAAAAAAAAAAAAAAAAAAAAAAAAAAAAAAAAAAAAAAAAAAAAAAAAAAAAAAAAAAAAAAAAAAAAAAAAAAAAAAAAAAAAAAAAAAAAAAAAAAAAAAAAAAAAAAFAAAADwAAAAAAAAAAAAAAAAAAAkUAAAAAQAAABQAAAAUAAAAFAAAAAEAAAAAAAAAZAAAAGQAAAAAAAAAZAAAAGQAAAAVAAAAYAAAAAAAAAAAAAAADwAAACADAAAAAAAAAAAAAAEAAACgMgAAVgcAAKr4//8BAAAAf39/AAEAAABkAAAAAAAAABQAAABAHwAAAAAAACYAAAAAAAAAwOD//wAAAAAmAAAAZAAAABYAAABMAAAAAAAAAAAAAAAEAAAAAAAAAAEAAACAgIAKAAAAACgAAAAoAAAAZAAAAGQAAAAAAAAAzMzMAAAAAABQAAAAUAAAAGQAAABkAAAAAAAAAAcAAAA4AAAAAAAAAAAAAAAAAAAA////AAAAAAAAAAAAAAAAAAAAAAAAAAAAAAAAAAAAAABkAAAAZAAAAAAAAAAjAAAABAAAAGQAAAAXAAAAFAAAAAAAAAAAAAAA/38AAP9/AAAAAAAACQAAAAQAAAAAAAAADAAAABAAAAAAAAAAAAAAAAAAAAAAAAAAHgAAAGgAAAAAAAAAAAAAAAAAAAAAAAAAAAAAABAnAAAQJwAAAAAAAAAAAAAAAAAAAAAAAAAAAAAAAAAAAAAAAAAAAAAUAAAAAAAAAMDA/wAAAAAAZAAAADIAAAAAAAAAZAAAAAAAAAB/f38ACgAAAB8AAABUAAAAu+DjBf///wEAAAAAAAAAAAAAAAAAAAAAAAAAAAAAAAAAAAAAAAAAAAAAAAJ/f38AgICAA8zMzADAwP8Af39/AAAAAAAAAAAAAAAAAP///wAAAAAAIQAAABgAAAAUAAAAUwEAAAIPAADODAAAKRkAABAAAAAmAAAACAAAAP//////////"/>
+                <pr:smNativeData xmlns:pr="smNativeData" val="SMDATA_15_B6msYxMAAAAlAAAAEQAAAC8BAAAAkAAAAEgAAACQAAAASAAAAAAAAAAAAAAAAAAAAAEAAABQAAAAAAAAAAAA4D8AAAAAAADgPwAAAAAAAOA/AAAAAAAA4D8AAAAAAADgPwAAAAAAAOA/AAAAAAAA4D8AAAAAAADgPwAAAAAAAOA/AAAAAAAA4D8CAAAAjAAAAAAAAAAAAAAAu+DjDP///wgAAAAAAAAAAAAAAAAAAAAAAAAAAAAAAAAAAAAAZAAAAAEAAABAAAAAAAAAAAAAAAAAAAAAAAAAAAAAAAAAAAAAAAAAAAAAAAAAAAAAAAAAAAAAAAAAAAAAAAAAAAAAAAAAAAAAAAAAAAAAAAAAAAAAAAAAAAAAAAAAAAAAFAAAADwAAAAAAAAAAAAAAAAAAAkUAAAAAQAAABQAAAAUAAAAFAAAAAEAAAAAAAAAZAAAAGQAAAAAAAAAZAAAAGQAAAAVAAAAYAAAAAAAAAAAAAAADwAAACADAAAAAAAAAAAAAAEAAACgMgAAVgcAAKr4//8BAAAAf39/AAEAAABkAAAAAAAAABQAAABAHwAAAAAAACYAAAAAAAAAwOD//wAAAAAmAAAAZAAAABYAAABMAAAAAAAAAAAAAAAEAAAAAAAAAAEAAACAgIAKAAAAACgAAAAoAAAAZAAAAGQAAAAAAAAAzMzMAAAAAABQAAAAUAAAAGQAAABkAAAAAAAAAAcAAAA4AAAAAAAAAAAAAAAAAAAA////AAAAAAAAAAAAAAAAAAAAAAAAAAAAAAAAAAAAAABkAAAAZAAAAAAAAAAjAAAABAAAAGQAAAAXAAAAFAAAAAAAAAAAAAAA/38AAP9/AAAAAAAACQAAAAQAAAAAAAAADAAAABAAAAAAAAAAAAAAAAAAAAAAAAAAHgAAAGgAAAAAAAAAAAAAAAAAAAAAAAAAAAAAABAnAAAQJwAAAAAAAAAAAAAAAAAAAAAAAAAAAAAAAAAAAAAAAAAAAAAUAAAAAAAAAMDA/wAAAAAAZAAAADIAAAAAAAAAZAAAAAAAAAB/f38ACgAAAB8AAABUAAAAu+DjBf///wEAAAAAAAAAAAAAAAAAAAAAAAAAAAAAAAAAAAAAAAAAAAAAAAJ/f38AgICAA8zMzADAwP8Af39/AAAAAAAAAAAAAAAAAP///wAAAAAAIQAAABgAAAAUAAAAUwEAAAIPAADODAAAKRkAABAAAAAmAAAACAAAAP//////////"/>
               </a:ext>
             </a:extLst>
           </p:cNvPicPr>
@@ -4002,7 +4003,7 @@
             <a:picLocks noChangeAspect="1"/>
             <a:extLst>
               <a:ext uri="smNativeData">
-                <pr:smNativeData xmlns:pr="smNativeData" val="SMDATA_15_cFGrYxMAAAAlAAAAEQAAAC8BAAAAkAAAAEgAAACQAAAASAAAAAAAAAAAAAAAAAAAAAEAAABQAAAAAAAAAAAA4D8AAAAAAADgPwAAAAAAAOA/AAAAAAAA4D8AAAAAAADgPwAAAAAAAOA/AAAAAAAA4D8AAAAAAADgPwAAAAAAAOA/AAAAAAAA4D8CAAAAjAAAAAAAAAAAAAAAu+DjDP///wgAAAAAAAAAAAAAAAAAAAAAAAAAAAAAAAAAAAAAZAAAAAEAAABAAAAAAAAAAAAAAAAAAAAAAAAAAAAAAAAAAAAAAAAAAAAAAAAAAAAAAAAAAAAAAAAAAAAAAAAAAAAAAAAAAAAAAAAAAAAAAAAAAAAAAAAAAAAAAAAAAAAAFAAAADwAAAAAAAAAAAAAAAAAAAkUAAAAAQAAABQAAAAUAAAAFAAAAAEAAAAAAAAAZAAAAGQAAAAAAAAAZAAAAGQAAAAVAAAAYAAAAAAAAAAAAAAADwAAACADAAAAAAAAAAAAAAEAAACgMgAAVgcAAKr4//8BAAAAf39/AAEAAABkAAAAAAAAABQAAABAHwAAAAAAACYAAAAAAAAAwOD//wAAAAAmAAAAZAAAABYAAABMAAAAAAAAAAAAAAAEAAAAAAAAAAEAAACAgIAKAAAAACgAAAAoAAAAZAAAAGQAAAAAAAAAzMzMAAAAAABQAAAAUAAAAGQAAABkAAAAAAAAAAcAAAA4AAAAAAAAAAAAAAAAAAAA////AAAAAAAAAAAAAAAAAAAAAAAAAAAAAAAAAAAAAABkAAAAZAAAAAAAAAAjAAAABAAAAGQAAAAXAAAAFAAAAAAAAAAAAAAA/38AAP9/AAAAAAAACQAAAAQAAABEqHYJDAAAABAAAAAAAAAAAAAAAAAAAAAAAAAAHgAAAGgAAAAAAAAAAAAAAAAAAAAAAAAAAAAAABAnAAAQJwAAAAAAAAAAAAAAAAAAAAAAAAAAAAAAAAAAAAAAAAAAAAAUAAAAAAAAAMDA/wAAAAAAZAAAADIAAAAAAAAAZAAAAAAAAAB/f38ACgAAAB8AAABUAAAAu+DjBf///wEAAAAAAAAAAAAAAAAAAAAAAAAAAAAAAAAAAAAAAAAAAAAAAAJ/f38AgICAA8zMzADAwP8Af39/AAAAAAAAAAAAAAAAAP///wAAAAAAIQAAABgAAAAUAAAAiAMAABAHAADkLgAADBoAAAAAAAAmAAAACAAAAP//////////"/>
+                <pr:smNativeData xmlns:pr="smNativeData" val="SMDATA_15_B6msYxMAAAAlAAAAEQAAAC8BAAAAkAAAAEgAAACQAAAASAAAAAAAAAAAAAAAAAAAAAEAAABQAAAAAAAAAAAA4D8AAAAAAADgPwAAAAAAAOA/AAAAAAAA4D8AAAAAAADgPwAAAAAAAOA/AAAAAAAA4D8AAAAAAADgPwAAAAAAAOA/AAAAAAAA4D8CAAAAjAAAAAAAAAAAAAAAu+DjDP///wgAAAAAAAAAAAAAAAAAAAAAAAAAAAAAAAAAAAAAZAAAAAEAAABAAAAAAAAAAAAAAAAAAAAAAAAAAAAAAAAAAAAAAAAAAAAAAAAAAAAAAAAAAAAAAAAAAAAAAAAAAAAAAAAAAAAAAAAAAAAAAAAAAAAAAAAAAAAAAAAAAAAAFAAAADwAAAAAAAAAAAAAAAAAAAkUAAAAAQAAABQAAAAUAAAAFAAAAAEAAAAAAAAAZAAAAGQAAAAAAAAAZAAAAGQAAAAVAAAAYAAAAAAAAAAAAAAADwAAACADAAAAAAAAAAAAAAEAAACgMgAAVgcAAKr4//8BAAAAf39/AAEAAABkAAAAAAAAABQAAABAHwAAAAAAACYAAAAAAAAAwOD//wAAAAAmAAAAZAAAABYAAABMAAAAAAAAAAAAAAAEAAAAAAAAAAEAAACAgIAKAAAAACgAAAAoAAAAZAAAAGQAAAAAAAAAzMzMAAAAAABQAAAAUAAAAGQAAABkAAAAAAAAAAcAAAA4AAAAAAAAAAAAAAAAAAAA////AAAAAAAAAAAAAAAAAAAAAAAAAAAAAAAAAAAAAABkAAAAZAAAAAAAAAAjAAAABAAAAGQAAAAXAAAAFAAAAAAAAAAAAAAA/38AAP9/AAAAAAAACQAAAAQAAABEqHYJDAAAABAAAAAAAAAAAAAAAAAAAAAAAAAAHgAAAGgAAAAAAAAAAAAAAAAAAAAAAAAAAAAAABAnAAAQJwAAAAAAAAAAAAAAAAAAAAAAAAAAAAAAAAAAAAAAAAAAAAAUAAAAAAAAAMDA/wAAAAAAZAAAADIAAAAAAAAAZAAAAAAAAAB/f38ACgAAAB8AAABUAAAAu+DjBf///wEAAAAAAAAAAAAAAAAAAAAAAAAAAAAAAAAAAAAAAAAAAAAAAAJ/f38AgICAA8zMzADAwP8Af39/AAAAAAAAAAAAAAAAAP///wAAAAAAIQAAABgAAAAUAAAAiAMAABAHAADkLgAADBoAABAAAAAmAAAACAAAAP//////////"/>
               </a:ext>
             </a:extLst>
           </p:cNvPicPr>
@@ -4029,6 +4030,143 @@
           <a:effectLst/>
         </p:spPr>
       </p:pic>
+    </p:spTree>
+  </p:cSld>
+  <p:clrMapOvr>
+    <a:masterClrMapping/>
+  </p:clrMapOvr>
+  <p:timing>
+    <p:tnLst>
+      <p:par>
+        <p:cTn id="1" dur="indefinite" restart="never" nodeType="tmRoot"/>
+      </p:par>
+    </p:tnLst>
+  </p:timing>
+</p:sld>
+</file>
+
+<file path=ppt/slides/slide4.xml><?xml version="1.0" encoding="utf-8"?>
+<p:sld xmlns:p="http://schemas.openxmlformats.org/presentationml/2006/main" xmlns:p14="http://schemas.microsoft.com/office/powerpoint/2010/main" xmlns:r="http://schemas.openxmlformats.org/officeDocument/2006/relationships" xmlns:a="http://schemas.openxmlformats.org/drawingml/2006/main">
+  <p:cSld>
+    <p:spTree>
+      <p:nvGrpSpPr>
+        <p:cNvPr id="1" name=""/>
+        <p:cNvGrpSpPr/>
+        <p:nvPr/>
+      </p:nvGrpSpPr>
+      <p:grpSpPr>
+        <a:xfrm>
+          <a:off x="0" y="0"/>
+          <a:ext cx="0" cy="0"/>
+          <a:chOff x="0" y="0"/>
+          <a:chExt cx="0" cy="0"/>
+        </a:xfrm>
+      </p:grpSpPr>
+      <p:pic>
+        <p:nvPicPr>
+          <p:cNvPr id="2" name="Picture1"/>
+          <p:cNvPicPr>
+            <a:picLocks noChangeAspect="1"/>
+            <a:extLst>
+              <a:ext uri="smNativeData">
+                <pr:smNativeData xmlns:pr="smNativeData" val="SMDATA_15_B6msYxMAAAAlAAAAEQAAAC8BAAAAkAAAAEgAAACQAAAASAAAAAAAAAAAAAAAAAAAAAEAAABQAAAAAAAAAAAA4D8AAAAAAADgPwAAAAAAAOA/AAAAAAAA4D8AAAAAAADgPwAAAAAAAOA/AAAAAAAA4D8AAAAAAADgPwAAAAAAAOA/AAAAAAAA4D8CAAAAjAAAAAAAAAAAAAAAu+DjDP///wgAAAAAAAAAAAAAAAAAAAAAAAAAAAAAAAAAAAAAZAAAAAEAAABAAAAAAAAAAAAAAAAAAAAAAAAAAAAAAAAAAAAAAAAAAAAAAAAAAAAAAAAAAAAAAAAAAAAAAAAAAAAAAAAAAAAAAAAAAAAAAAAAAAAAAAAAAAAAAAAAAAAAFAAAADwAAAAAAAAAAAAAAAAAAAkUAAAAAQAAABQAAAAUAAAAFAAAAAEAAAAAAAAAZAAAAGQAAAAAAAAAZAAAAGQAAAAVAAAAYAAAAAAAAAAAAAAADwAAACADAAAAAAAAAAAAAAEAAACgMgAAVgcAAKr4//8BAAAAf39/AAEAAABkAAAAAAAAABQAAABAHwAAAAAAACYAAAAAAAAAwOD//wAAAAAmAAAAZAAAABYAAABMAAAAAAAAAAAAAAAEAAAAAAAAAAEAAACAgIAKAAAAACgAAAAoAAAAZAAAAGQAAAAAAAAAzMzMAAAAAABQAAAAUAAAAGQAAABkAAAAAAAAAAcAAAA4AAAAAAAAAAAAAAAAAAAA////AAAAAAAAAAAAAAAAAAAAAAAAAAAAAAAAAAAAAABkAAAAZAAAAAAAAAAjAAAABAAAAGQAAAAXAAAAFAAAAAAAAAAAAAAA/38AAP9/AAAAAAAACQAAAAQAAADAAxAADAAAABAAAAAAAAAAAAAAAAAAAAAAAAAAHgAAAGgAAAAAAAAAAAAAAAAAAAAAAAAAAAAAABAnAAAQJwAAAAAAAAAAAAAAAAAAAAAAAAAAAAAAAAAAAAAAAAAAAAAUAAAAAAAAAMDA/wAAAAAAZAAAADIAAAAAAAAAZAAAAAAAAAB/f38ACgAAAB8AAABUAAAAu+DjBf///wEAAAAAAAAAAAAAAAAAAAAAAAAAAAAAAAAAAAAAAAAAAAAAAAJ/f38AgICAA8zMzADAwP8Af39/AAAAAAAAAAAAAAAAAP///wAAAAAAIQAAABgAAAAUAAAAJwQAAJgKAADtGgAArhkAAAAAAAAmAAAACAAAAP//////////"/>
+              </a:ext>
+            </a:extLst>
+          </p:cNvPicPr>
+          <p:nvPr/>
+        </p:nvPicPr>
+        <p:blipFill>
+          <a:blip r:embed="rId2"/>
+          <a:stretch>
+            <a:fillRect/>
+          </a:stretch>
+        </p:blipFill>
+        <p:spPr>
+          <a:xfrm>
+            <a:off x="675005" y="1722120"/>
+            <a:ext cx="3702050" cy="2452370"/>
+          </a:xfrm>
+          <a:prstGeom prst="rect">
+            <a:avLst/>
+          </a:prstGeom>
+          <a:noFill/>
+          <a:ln>
+            <a:noFill/>
+          </a:ln>
+          <a:effectLst/>
+        </p:spPr>
+      </p:pic>
+      <p:pic>
+        <p:nvPicPr>
+          <p:cNvPr id="3" name="Picture2"/>
+          <p:cNvPicPr>
+            <a:picLocks noChangeAspect="1"/>
+            <a:extLst>
+              <a:ext uri="smNativeData">
+                <pr:smNativeData xmlns:pr="smNativeData" val="SMDATA_15_B6msYxMAAAAlAAAAEQAAAC8BAAAAkAAAAEgAAACQAAAASAAAAAAAAAAAAAAAAAAAAAEAAABQAAAAAAAAAAAA4D8AAAAAAADgPwAAAAAAAOA/AAAAAAAA4D8AAAAAAADgPwAAAAAAAOA/AAAAAAAA4D8AAAAAAADgPwAAAAAAAOA/AAAAAAAA4D8CAAAAjAAAAAAAAAAAAAAAu+DjDP///wgAAAAAAAAAAAAAAAAAAAAAAAAAAAAAAAAAAAAAZAAAAAEAAABAAAAAAAAAAAAAAAAAAAAAAAAAAAAAAAAAAAAAAAAAAAAAAAAAAAAAAAAAAAAAAAAAAAAAAAAAAAAAAAAAAAAAAAAAAAAAAAAAAAAAAAAAAAAAAAAAAAAAFAAAADwAAAAAAAAAAAAAAAAAAAkUAAAAAQAAABQAAAAUAAAAFAAAAAEAAAAAAAAAZAAAAGQAAAAAAAAAZAAAAGQAAAAVAAAAYAAAAAAAAAAAAAAADwAAACADAAAAAAAAAAAAAAEAAACgMgAAVgcAAKr4//8BAAAAf39/AAEAAABkAAAAAAAAABQAAABAHwAAAAAAACYAAAAAAAAAwOD//wAAAAAmAAAAZAAAABYAAABMAAAAAAAAAAAAAAAEAAAAAAAAAAEAAACAgIAKAAAAACgAAAAoAAAAZAAAAGQAAAAAAAAAzMzMAAAAAABQAAAAUAAAAGQAAABkAAAAAAAAAAcAAAA4AAAAAAAAAAAAAAAAAAAA////AAAAAAAAAAAAAAAAAAAAAAAAAAAAAAAAAAAAAABkAAAAZAAAAAAAAAAjAAAABAAAAGQAAAAXAAAAFAAAAAAAAAAAAAAA/38AAP9/AAAAAAAACQAAAAQAAAB8Yu0LDAAAABAAAAAAAAAAAAAAAAAAAAAAAAAAHgAAAGgAAAAAAAAAAAAAAAAAAAAAAAAAAAAAABAnAAAQJwAAAAAAAAAAAAAAAAAAAAAAAAAAAAAAAAAAAAAAAAAAAAAUAAAAAAAAAMDA/wAAAAAAZAAAADIAAAAAAAAAZAAAAAAAAAB/f38ACgAAAB8AAABUAAAAu+DjBf///wEAAAAAAAAAAAAAAAAAAAAAAAAAAAAAAAAAAAAAAAAAAAAAAAJ/f38AgICAA8zMzADAwP8Af39/AAAAAAAAAAAAAAAAAP///wAAAAAAIQAAABgAAAAUAAAARh4AAJgKAAAOLQAAmhkAAAAAAAAmAAAACAAAAP//////////"/>
+              </a:ext>
+            </a:extLst>
+          </p:cNvPicPr>
+          <p:nvPr/>
+        </p:nvPicPr>
+        <p:blipFill>
+          <a:blip r:embed="rId3"/>
+          <a:stretch>
+            <a:fillRect/>
+          </a:stretch>
+        </p:blipFill>
+        <p:spPr>
+          <a:xfrm>
+            <a:off x="4921250" y="1722120"/>
+            <a:ext cx="2402840" cy="2439670"/>
+          </a:xfrm>
+          <a:prstGeom prst="rect">
+            <a:avLst/>
+          </a:prstGeom>
+          <a:noFill/>
+          <a:ln>
+            <a:noFill/>
+          </a:ln>
+          <a:effectLst/>
+        </p:spPr>
+      </p:pic>
+      <p:sp>
+        <p:nvSpPr>
+          <p:cNvPr id="4" name="AutoShape1"/>
+          <p:cNvSpPr>
+            <a:extLst>
+              <a:ext uri="smNativeData">
+                <pr:smNativeData xmlns:pr="smNativeData" val="SMDATA_13_B6msYxMAAAAlAAAA2AAAAA8BAAAAkAAAAEgAAACQAAAASAAAAAAAAAAAAAAAAAAAAAEAAABQAAAAAAAAAAAA4D8AAAAAAADgPwAAAAAAAOA/AAAAAAAA4D8AAAAAAADgPwAAAAAAAOA/AAAAAAAA4D8AAAAAAADgPwAAAAAAAOA/AAAAAAAA4D8CAAAAjAAAAAEAAAAAAAAAs7OzAP///wgAAAAAAAAAAAAAAAAAAAAAAAAAAAAAAAAAAAAAZAAAAAEAAABAAAAAAAAAAAAAAAAAAAAAAAAAAAAAAAAAAAAAAAAAAAAAAAAAAAAAAAAAAAAAAAAAAAAAAAAAAAAAAAAAAAAAAAAAAAAAAAAAAAAAAAAAAAAAAAAAAAAAFAAAADwAAAABAAAAAAAAAAAAAAkUAAAAAQAAABQAAAAUAAAAFAAAAAEAAAAAAAAAZAAAAGQAAAAAAAAAZAAAAGQAAAAVAAAAYAAAAAAAAAAAAAAADwAAACADAAAAAAAAAAAAAAEAAACgMgAAVgcAAKr4//8BAAAAf39/AAEAAABkAAAAAAAAABQAAABAHwAAAAAAACYAAAAAAAAAwOD//wAAAAAmAAAAZAAAABYAAABMAAAAAAAAAAAAAAAEAAAAAAAAAAEAAACAgIAKAAAAACgAAAAoAAAAZAAAAGQAAAAAAAAAzMzMAAAAAABQAAAAUAAAAGQAAABkAAAAAAAAABcAAAAUAAAAAAAAAAAAAAD/fwAA/38AAAAAAAAJAAAABAAAAFNQSU4MAAAAEAAAAAAAAAAAAAAAAAAAAAAAAAAeAAAAaAAAAAAAAAAAAAAAAAAAAAAAAAAAAAAAECcAABAnAAAAAAAAAAAAAAAAAAAAAAAAAAAAAAAAAAAAAAAAAAAAABQAAAAAAAAAwMD/AAAAAABkAAAAMgAAAAAAAABkAAAAAAAAAH9/fwAKAAAAHwAAAFQAAACzs7MA////AQAAAAAAAAAAAAAAAAAAAAAAAAAAAAAAAAAAAAAAAAAAAAAAAn9/fwCAgIADzMzMAMDA/wB/f38AAAAAAAAAAAAAAAAAAAAAAAAAAAAhAAAAGAAAABQAAAB8GgAANxEAAAQeAAD7EgAAAAAAACYAAAAIAAAA//////////8="/>
+              </a:ext>
+            </a:extLst>
+          </p:cNvSpPr>
+          <p:nvPr/>
+        </p:nvSpPr>
+        <p:spPr>
+          <a:xfrm>
+            <a:off x="4305300" y="2798445"/>
+            <a:ext cx="574040" cy="287020"/>
+          </a:xfrm>
+          <a:prstGeom prst="stripedRightArrow">
+            <a:avLst>
+              <a:gd name="adj1" fmla="val 50000"/>
+              <a:gd name="adj2" fmla="val 84375"/>
+            </a:avLst>
+          </a:prstGeom>
+          <a:solidFill>
+            <a:srgbClr val="B3B3B3"/>
+          </a:solidFill>
+          <a:ln w="12700" cap="flat" cmpd="sng" algn="ctr">
+            <a:solidFill>
+              <a:schemeClr val="tx1"/>
+            </a:solidFill>
+            <a:prstDash val="solid"/>
+            <a:headEnd type="none"/>
+            <a:tailEnd type="none"/>
+          </a:ln>
+          <a:effectLst/>
+        </p:spPr>
+      </p:sp>
     </p:spTree>
   </p:cSld>
   <p:clrMapOvr>
@@ -4869,6 +5007,47 @@
       </a:clrScheme>
       <a:clrMap bg1="lt1" tx1="dk1" bg2="lt2" tx2="dk2" accent1="accent1" accent2="accent2" accent3="accent3" accent4="accent4" accent5="accent5" accent6="accent6" hlink="hlink" folHlink="folHlink"/>
     </a:extraClrScheme>
+    <a:extraClrScheme>
+      <a:clrScheme name="Presentation 15">
+        <a:dk1>
+          <a:srgbClr val="000000"/>
+        </a:dk1>
+        <a:lt1>
+          <a:srgbClr val="FFFFFF"/>
+        </a:lt1>
+        <a:dk2>
+          <a:srgbClr val="000000"/>
+        </a:dk2>
+        <a:lt2>
+          <a:srgbClr val="808080"/>
+        </a:lt2>
+        <a:accent1>
+          <a:srgbClr val="BBE0E3"/>
+        </a:accent1>
+        <a:accent2>
+          <a:srgbClr val="333399"/>
+        </a:accent2>
+        <a:accent3>
+          <a:srgbClr val="535379"/>
+        </a:accent3>
+        <a:accent4>
+          <a:srgbClr val="737359"/>
+        </a:accent4>
+        <a:accent5>
+          <a:srgbClr val="939339"/>
+        </a:accent5>
+        <a:accent6>
+          <a:srgbClr val="B3B319"/>
+        </a:accent6>
+        <a:hlink>
+          <a:srgbClr val="009999"/>
+        </a:hlink>
+        <a:folHlink>
+          <a:srgbClr val="99CC00"/>
+        </a:folHlink>
+      </a:clrScheme>
+      <a:clrMap bg1="lt1" tx1="dk1" bg2="lt2" tx2="dk2" accent1="accent1" accent2="accent2" accent3="accent3" accent4="accent4" accent5="accent5" accent6="accent6" hlink="hlink" folHlink="folHlink"/>
+    </a:extraClrScheme>
   </a:extraClrSchemeLst>
 </a:theme>
 </file>
--- a/images/WebFig.pptx
+++ b/images/WebFig.pptx
@@ -239,7 +239,7 @@
             <a:spLocks noGrp="1" noChangeArrowheads="1"/>
             <a:extLst>
               <a:ext uri="smNativeData">
-                <pr:smNativeData xmlns:pr="smNativeData" val="SMDATA_13_B6msYxMAAAAlAAAAZAAAAA8BAAAAkAAAAEgAAACQAAAASAAAAAAAAAABAAAAAAAAAAEAAABQAAAAAAAAAAAA4D8AAAAAAADgPwAAAAAAAOA/AAAAAAAA4D8AAAAAAADgPwAAAAAAAOA/AAAAAAAA4D8AAAAAAADgPwAAAAAAAOA/AAAAAAAA4D8CAAAAjAAAAAAAAAAAAAAAu+DjDP///wgAAAAAAAAAAAAAAAAAAAAAAAAAAAAAAAAAAAAAZAAAAAEAAABAAAAAAAAAAAAAAAAAAAAAAAAAAAAAAAAAAAAAAAAAAAAAAAAAAAAAAAAAAAAAAAAAAAAAAAAAAAAAAAAAAAAAAAAAAAAAAAAAAAAAAAAAAAAAAAAAAAAAFAAAADwAAAAAAAAAAAAAAAAAAAkUAAAAAQAAABQAAAAUAAAAFAAAAAEAAAAAAAAAZAAAAGQAAAAAAAAAZAAAAGQAAAAVAAAAYAAAAAAAAAAAAAAADwAAACADAAAAAAAAAAAAAAEAAACgMgAAVgcAAKr4//8BAAAAf39/AAEAAABkAAAAAAAAABQAAABAHwAAAAAAACYAAAAAAAAAwOD//wAAAAAmAAAAZAAAABYAAABMAAAAAAAAAAAAAAAEAAAAAAAAAAEAAACAgIAKAAAAACgAAAAoAAAAZAAAAGQAAAAAAAAAzMzMAAAAAABQAAAAUAAAAGQAAABkAAAAAAAAABcAAAAUAAAAAAAAAAAAAAD/fwAA/38AAAAAAAAJAAAABAAAAAAAAAAMAAAAEAAAAAAAAAAAAAAAAAAAAAAAAAAeAAAAaAAAAAAAAAAAAAAAAAAAAAAAAAAAAAAAECcAABAnAAAAAAAAAAAAAAAAAAAAAAAAAAAAAAAAAAAAAAAAAAAAABQAAAAAAAAAwMD/AAAAAABkAAAAMgAAAAAAAABkAAAAAAAAAH9/fwAKAAAAHwAAAFQAAAAAAAAFAAAAAQAAAAAAAAAAAAAAAAAAAAAAAAAAAAAAAAAAAAAAAAAAAAAAAn9/fwAAAAADzMzMAMDA/wB/f38AAAAAAAAAAAAAAAAAAAAAAAAAAAAhAAAAGAAAABQAAAA4BAAAGg0AAAg0AAAmFgAAEAAAACYAAAAIAAAAAQAAAAAAAAA="/>
+                <pr:smNativeData xmlns:pr="smNativeData" val="SMDATA_13_Na6sYxMAAAAlAAAAZAAAAA8BAAAAkAAAAEgAAACQAAAASAAAAAAAAAABAAAAAAAAAAEAAABQAAAAAAAAAAAA4D8AAAAAAADgPwAAAAAAAOA/AAAAAAAA4D8AAAAAAADgPwAAAAAAAOA/AAAAAAAA4D8AAAAAAADgPwAAAAAAAOA/AAAAAAAA4D8CAAAAjAAAAAAAAAAAAAAAu+DjDP///wgAAAAAAAAAAAAAAAAAAAAAAAAAAAAAAAAAAAAAZAAAAAEAAABAAAAAAAAAAAAAAAAAAAAAAAAAAAAAAAAAAAAAAAAAAAAAAAAAAAAAAAAAAAAAAAAAAAAAAAAAAAAAAAAAAAAAAAAAAAAAAAAAAAAAAAAAAAAAAAAAAAAAFAAAADwAAAAAAAAAAAAAAAAAAAkUAAAAAQAAABQAAAAUAAAAFAAAAAEAAAAAAAAAZAAAAGQAAAAAAAAAZAAAAGQAAAAVAAAAYAAAAAAAAAAAAAAADwAAACADAAAAAAAAAAAAAAEAAACgMgAAVgcAAKr4//8BAAAAf39/AAEAAABkAAAAAAAAABQAAABAHwAAAAAAACYAAAAAAAAAwOD//wAAAAAmAAAAZAAAABYAAABMAAAAAAAAAAAAAAAEAAAAAAAAAAEAAACAgIAKAAAAACgAAAAoAAAAZAAAAGQAAAAAAAAAzMzMAAAAAABQAAAAUAAAAGQAAABkAAAAAAAAABcAAAAUAAAAAAAAAAAAAAD/fwAA/38AAAAAAAAJAAAABAAAAAAAAAAMAAAAEAAAAAAAAAAAAAAAAAAAAAAAAAAeAAAAaAAAAAAAAAAAAAAAAAAAAAAAAAAAAAAAECcAABAnAAAAAAAAAAAAAAAAAAAAAAAAAAAAAAAAAAAAAAAAAAAAABQAAAAAAAAAwMD/AAAAAABkAAAAMgAAAAAAAABkAAAAAAAAAH9/fwAKAAAAHwAAAFQAAAAAAAAFAAAAAQAAAAAAAAAAAAAAAAAAAAAAAAAAAAAAAAAAAAAAAAAAAAAAAn9/fwAAAAADzMzMAMDA/wB/f38AAAAAAAAAAAAAAAAAAAAAAAAAAAAhAAAAGAAAABQAAAA4BAAAGg0AAAg0AAAmFgAAEAAAACYAAAAIAAAAAQAAAAAAAAA="/>
               </a:ext>
             </a:extLst>
           </p:cNvSpPr>
@@ -271,7 +271,7 @@
             <a:spLocks noGrp="1" noChangeArrowheads="1"/>
             <a:extLst>
               <a:ext uri="smNativeData">
-                <pr:smNativeData xmlns:pr="smNativeData" val="SMDATA_13_B6msYxMAAAAlAAAAZAAAAA8BAAAAkAAAAEgAAACQAAAASAAAAAAAAAAAAAAAAAAAAAEAAABQAAAAAAAAAAAA4D8AAAAAAADgPwAAAAAAAOA/AAAAAAAA4D8AAAAAAADgPwAAAAAAAOA/AAAAAAAA4D8AAAAAAADgPwAAAAAAAOA/AAAAAAAA4D8CAAAAjAAAAAAAAAAAAAAAu+DjDP///wgAAAAAAAAAAAAAAAAAAAAAAAAAAAAAAAAAAAAAZAAAAAEAAABAAAAAAAAAAAAAAAAAAAAAAAAAAAAAAAAAAAAAAAAAAAAAAAAAAAAAAAAAAAAAAAAAAAAAAAAAAAAAAAAAAAAAAAAAAAAAAAAAAAAAAAAAAAAAAAAAAAAAFAAAADwAAAAAAAAAAAAAAAAAAAkUAAAAAQAAABQAAAAUAAAAFAAAAAEAAAAAAAAAZAAAAGQAAAAAAAAAZAAAAGQAAAAVAAAAYAAAAAAAAAAAAAAADwAAACADAAAAAAAAAAAAAAEAAACgMgAAVgcAAKr4//8BAAAAf39/AAEAAABkAAAAAAAAABQAAABAHwAAAAAAACYAAAAAAAAAwOD//wAAAAAmAAAAZAAAABYAAABMAAAAAAAAAAAAAAAEAAAAAAAAAAEAAACAgIAKAAAAACgAAAAoAAAAZAAAAGQAAAAAAAAAzMzMAAAAAABQAAAAUAAAAGQAAABkAAAAAAAAABcAAAAUAAAAAAAAAAAAAAD/fwAA/38AAAAAAAAJAAAABAAAAAAAAAAMAAAAEAAAAAAAAAAAAAAAAAAAAAAAAAAeAAAAaAAAAAAAAAAAAAAAAAAAAAAAAAAAAAAAECcAABAnAAAAAAAAAAAAAAAAAAAAAAAAAAAAAAAAAAAAAAAAAAAAABQAAAAAAAAAwMD/AAAAAABkAAAAMgAAAAAAAABkAAAAAAAAAH9/fwAKAAAAHwAAAFQAAAAAAAAFAAAAAQAAAAAAAAAAAAAAAAAAAAAAAAAAAAAAAAAAAAAAAAAAAAAAAn9/fwAAAAADzMzMAMDA/wB/f38AAAAAAAAAAAAAAAAAAAAAAAAAAAAhAAAAGAAAABQAAABwCAAA6BcAANAvAACwIgAAEAAAACYAAAAIAAAAAYAAAAAAAAA="/>
+                <pr:smNativeData xmlns:pr="smNativeData" val="SMDATA_13_Na6sYxMAAAAlAAAAZAAAAA8BAAAAkAAAAEgAAACQAAAASAAAAAAAAAAAAAAAAAAAAAEAAABQAAAAAAAAAAAA4D8AAAAAAADgPwAAAAAAAOA/AAAAAAAA4D8AAAAAAADgPwAAAAAAAOA/AAAAAAAA4D8AAAAAAADgPwAAAAAAAOA/AAAAAAAA4D8CAAAAjAAAAAAAAAAAAAAAu+DjDP///wgAAAAAAAAAAAAAAAAAAAAAAAAAAAAAAAAAAAAAZAAAAAEAAABAAAAAAAAAAAAAAAAAAAAAAAAAAAAAAAAAAAAAAAAAAAAAAAAAAAAAAAAAAAAAAAAAAAAAAAAAAAAAAAAAAAAAAAAAAAAAAAAAAAAAAAAAAAAAAAAAAAAAFAAAADwAAAAAAAAAAAAAAAAAAAkUAAAAAQAAABQAAAAUAAAAFAAAAAEAAAAAAAAAZAAAAGQAAAAAAAAAZAAAAGQAAAAVAAAAYAAAAAAAAAAAAAAADwAAACADAAAAAAAAAAAAAAEAAACgMgAAVgcAAKr4//8BAAAAf39/AAEAAABkAAAAAAAAABQAAABAHwAAAAAAACYAAAAAAAAAwOD//wAAAAAmAAAAZAAAABYAAABMAAAAAAAAAAAAAAAEAAAAAAAAAAEAAACAgIAKAAAAACgAAAAoAAAAZAAAAGQAAAAAAAAAzMzMAAAAAABQAAAAUAAAAGQAAABkAAAAAAAAABcAAAAUAAAAAAAAAAAAAAD/fwAA/38AAAAAAAAJAAAABAAAAAAAAAAMAAAAEAAAAAAAAAAAAAAAAAAAAAAAAAAeAAAAaAAAAAAAAAAAAAAAAAAAAAAAAAAAAAAAECcAABAnAAAAAAAAAAAAAAAAAAAAAAAAAAAAAAAAAAAAAAAAAAAAABQAAAAAAAAAwMD/AAAAAABkAAAAMgAAAAAAAABkAAAAAAAAAH9/fwAKAAAAHwAAAFQAAAAAAAAFAAAAAQAAAAAAAAAAAAAAAAAAAAAAAAAAAAAAAAAAAAAAAAAAAAAAAn9/fwAAAAADzMzMAMDA/wB/f38AAAAAAAAAAAAAAAAAAAAAAAAAAAAhAAAAGAAAABQAAABwCAAA6BcAANAvAACwIgAAEAAAACYAAAAIAAAAAYAAAAAAAAA="/>
               </a:ext>
             </a:extLst>
           </p:cNvSpPr>
@@ -331,7 +331,7 @@
             <a:spLocks noGrp="1" noChangeArrowheads="1"/>
             <a:extLst>
               <a:ext uri="smNativeData">
-                <pr:smNativeData xmlns:pr="smNativeData" val="SMDATA_13_B6msYxMAAAAlAAAAZAAAAA8BAAAAkAAAAEgAAACQAAAASAAAAAAAAAABAAAAAAAAAAEAAABQAAAAAAAAAAAA4D8AAAAAAADgPwAAAAAAAOA/AAAAAAAA4D8AAAAAAADgPwAAAAAAAOA/AAAAAAAA4D8AAAAAAADgPwAAAAAAAOA/AAAAAAAA4D8CAAAAjAAAAAAAAAAAAAAAu+DjDP///wgAAAAAAAAAAAAAAAAAAAAAAAAAAAAAAAAAAAAAZAAAAAEAAABAAAAAAAAAAAAAAAAAAAAAAAAAAAAAAAAAAAAAAAAAAAAAAAAAAAAAAAAAAAAAAAAAAAAAAAAAAAAAAAAAAAAAAAAAAAAAAAAAAAAAAAAAAAAAAAAAAAAAFAAAADwAAAAAAAAAAAAAAAAAAAkUAAAAAQAAABQAAAAUAAAAFAAAAAEAAAAAAAAAZAAAAGQAAAAAAAAAZAAAAGQAAAAVAAAAYAAAAAAAAAAAAAAADwAAACADAAAAAAAAAAAAAAEAAACgMgAAVgcAAKr4//8BAAAAf39/AAEAAABkAAAAAAAAABQAAABAHwAAAAAAACYAAAAAAAAAwOD//wAAAAAmAAAAZAAAABYAAABMAAAAAAAAAAAAAAAEAAAAAAAAAAEAAACAgIAKAAAAACgAAAAoAAAAZAAAAGQAAAAAAAAAzMzMAAAAAABQAAAAUAAAAGQAAABkAAAAAAAAABcAAAAUAAAAAAAAAAAAAAD/fwAA/38AAAAAAAAJAAAABAAAAAAAAAAMAAAAEAAAAAAAAAAAAAAAAAAAAAAAAAAeAAAAaAAAAAAAAAAAAAAAAAAAAAAAAAAAAAAAECcAABAnAAAAAAAAAAAAAAAAAAAAAAAAAAAAAAAAAAAAAAAAAAAAABQAAAAAAAAAwMD/AAAAAABkAAAAMgAAAAAAAABkAAAAAAAAAH9/fwAKAAAAHwAAAFQAAAAAAAAFAAAAAQAAAAAAAAAAAAAAAAAAAAAAAAAAAAAAAAAAAAAAAAAAAAAAAn9/fwAAAAADzMzMAMDA/wB/f38AAAAAAAAAAAAAAAAAAAAAAAAAAAAhAAAAGAAAABQAAADQAgAAGycAAPAPAABZKQAAEAAAACYAAAAIAAAAAAAAAAAAAAA="/>
+                <pr:smNativeData xmlns:pr="smNativeData" val="SMDATA_13_Na6sYxMAAAAlAAAAZAAAAA8BAAAAkAAAAEgAAACQAAAASAAAAAAAAAABAAAAAAAAAAEAAABQAAAAAAAAAAAA4D8AAAAAAADgPwAAAAAAAOA/AAAAAAAA4D8AAAAAAADgPwAAAAAAAOA/AAAAAAAA4D8AAAAAAADgPwAAAAAAAOA/AAAAAAAA4D8CAAAAjAAAAAAAAAAAAAAAu+DjDP///wgAAAAAAAAAAAAAAAAAAAAAAAAAAAAAAAAAAAAAZAAAAAEAAABAAAAAAAAAAAAAAAAAAAAAAAAAAAAAAAAAAAAAAAAAAAAAAAAAAAAAAAAAAAAAAAAAAAAAAAAAAAAAAAAAAAAAAAAAAAAAAAAAAAAAAAAAAAAAAAAAAAAAFAAAADwAAAAAAAAAAAAAAAAAAAkUAAAAAQAAABQAAAAUAAAAFAAAAAEAAAAAAAAAZAAAAGQAAAAAAAAAZAAAAGQAAAAVAAAAYAAAAAAAAAAAAAAADwAAACADAAAAAAAAAAAAAAEAAACgMgAAVgcAAKr4//8BAAAAf39/AAEAAABkAAAAAAAAABQAAABAHwAAAAAAACYAAAAAAAAAwOD//wAAAAAmAAAAZAAAABYAAABMAAAAAAAAAAAAAAAEAAAAAAAAAAEAAACAgIAKAAAAACgAAAAoAAAAZAAAAGQAAAAAAAAAzMzMAAAAAABQAAAAUAAAAGQAAABkAAAAAAAAABcAAAAUAAAAAAAAAAAAAAD/fwAA/38AAAAAAAAJAAAABAAAAAAAAAAMAAAAEAAAAAAAAAAAAAAAAAAAAAAAAAAeAAAAaAAAAAAAAAAAAAAAAAAAAAAAAAAAAAAAECcAABAnAAAAAAAAAAAAAAAAAAAAAAAAAAAAAAAAAAAAAAAAAAAAABQAAAAAAAAAwMD/AAAAAABkAAAAMgAAAAAAAABkAAAAAAAAAH9/fwAKAAAAHwAAAFQAAAAAAAAFAAAAAQAAAAAAAAAAAAAAAAAAAAAAAAAAAAAAAAAAAAAAAAAAAAAAAn9/fwAAAAADzMzMAMDA/wB/f38AAAAAAAAAAAAAAAAAAAAAAAAAAAAhAAAAGAAAABQAAADQAgAAGycAAPAPAABZKQAAEAAAACYAAAAIAAAAAAAAAAAAAAA="/>
               </a:ext>
             </a:extLst>
           </p:cNvSpPr>
@@ -345,7 +345,7 @@
           <a:lstStyle/>
           <a:p>
             <a:pPr/>
-            <a:fld id="{1CA19C4C-02F1-F46A-BF19-F43FD25749A1}" type="datetime1">
+            <a:fld id="{1CB52B70-3EF1-E0DD-BF0D-C8886543499D}" type="datetime1">
               <a:t/>
             </a:fld>
           </a:p>
@@ -358,7 +358,7 @@
             <a:spLocks noGrp="1" noChangeArrowheads="1"/>
             <a:extLst>
               <a:ext uri="smNativeData">
-                <pr:smNativeData xmlns:pr="smNativeData" val="SMDATA_13_B6msYxMAAAAlAAAAZAAAAA8BAAAAkAAAAEgAAACQAAAASAAAAAAAAAABAAAAAAAAAAEAAABQAAAAAAAAAAAA4D8AAAAAAADgPwAAAAAAAOA/AAAAAAAA4D8AAAAAAADgPwAAAAAAAOA/AAAAAAAA4D8AAAAAAADgPwAAAAAAAOA/AAAAAAAA4D8CAAAAjAAAAAAAAAAAAAAAu+DjDP///wgAAAAAAAAAAAAAAAAAAAAAAAAAAAAAAAAAAAAAZAAAAAEAAABAAAAAAAAAAAAAAAAAAAAAAAAAAAAAAAAAAAAAAAAAAAAAAAAAAAAAAAAAAAAAAAAAAAAAAAAAAAAAAAAAAAAAAAAAAAAAAAAAAAAAAAAAAAAAAAAAAAAAFAAAADwAAAAAAAAAAAAAAAAAAAkUAAAAAQAAABQAAAAUAAAAFAAAAAEAAAAAAAAAZAAAAGQAAAAAAAAAZAAAAGQAAAAVAAAAYAAAAAAAAAAAAAAADwAAACADAAAAAAAAAAAAAAEAAACgMgAAVgcAAKr4//8BAAAAf39/AAEAAABkAAAAAAAAABQAAABAHwAAAAAAACYAAAAAAAAAwOD//wAAAAAmAAAAZAAAABYAAABMAAAAAAAAAAAAAAAEAAAAAAAAAAEAAACAgIAKAAAAACgAAAAoAAAAZAAAAGQAAAAAAAAAzMzMAAAAAABQAAAAUAAAAGQAAABkAAAAAAAAABcAAAAUAAAAAAAAAAAAAAD/fwAA/38AAAAAAAAJAAAABAAAAElJSf8MAAAAEAAAAAAAAAAAAAAAAAAAAAAAAAAeAAAAaAAAAAAAAAAAAAAAAAAAAAAAAAAAAAAAECcAABAnAAAAAAAAAAAAAAAAAAAAAAAAAAAAAAAAAAAAAAAAAAAAABQAAAAAAAAAwMD/AAAAAABkAAAAMgAAAAAAAABkAAAAAAAAAH9/fwAKAAAAHwAAAFQAAAAAAAAFAAAAAQAAAAAAAAAAAAAAAAAAAAAAAAAAAAAAAAAAAAAAAAAAAAAAAn9/fwAAAAADzMzMAMDA/wB/f38AAAAAAAAAAAAAAAAAAAAAAAAAAAAhAAAAGAAAABQAAAA4EwAAGycAAAglAABZKQAAEAAAACYAAAAIAAAAAAAAAAAAAAA="/>
+                <pr:smNativeData xmlns:pr="smNativeData" val="SMDATA_13_Na6sYxMAAAAlAAAAZAAAAA8BAAAAkAAAAEgAAACQAAAASAAAAAAAAAABAAAAAAAAAAEAAABQAAAAAAAAAAAA4D8AAAAAAADgPwAAAAAAAOA/AAAAAAAA4D8AAAAAAADgPwAAAAAAAOA/AAAAAAAA4D8AAAAAAADgPwAAAAAAAOA/AAAAAAAA4D8CAAAAjAAAAAAAAAAAAAAAu+DjDP///wgAAAAAAAAAAAAAAAAAAAAAAAAAAAAAAAAAAAAAZAAAAAEAAABAAAAAAAAAAAAAAAAAAAAAAAAAAAAAAAAAAAAAAAAAAAAAAAAAAAAAAAAAAAAAAAAAAAAAAAAAAAAAAAAAAAAAAAAAAAAAAAAAAAAAAAAAAAAAAAAAAAAAFAAAADwAAAAAAAAAAAAAAAAAAAkUAAAAAQAAABQAAAAUAAAAFAAAAAEAAAAAAAAAZAAAAGQAAAAAAAAAZAAAAGQAAAAVAAAAYAAAAAAAAAAAAAAADwAAACADAAAAAAAAAAAAAAEAAACgMgAAVgcAAKr4//8BAAAAf39/AAEAAABkAAAAAAAAABQAAABAHwAAAAAAACYAAAAAAAAAwOD//wAAAAAmAAAAZAAAABYAAABMAAAAAAAAAAAAAAAEAAAAAAAAAAEAAACAgIAKAAAAACgAAAAoAAAAZAAAAGQAAAAAAAAAzMzMAAAAAABQAAAAUAAAAGQAAABkAAAAAAAAABcAAAAUAAAAAAAAAAAAAAD/fwAA/38AAAAAAAAJAAAABAAAAElJSf8MAAAAEAAAAAAAAAAAAAAAAAAAAAAAAAAeAAAAaAAAAAAAAAAAAAAAAAAAAAAAAAAAAAAAECcAABAnAAAAAAAAAAAAAAAAAAAAAAAAAAAAAAAAAAAAAAAAAAAAABQAAAAAAAAAwMD/AAAAAABkAAAAMgAAAAAAAABkAAAAAAAAAH9/fwAKAAAAHwAAAFQAAAAAAAAFAAAAAQAAAAAAAAAAAAAAAAAAAAAAAAAAAAAAAAAAAAAAAAAAAAAAAn9/fwAAAAADzMzMAMDA/wB/f38AAAAAAAAAAAAAAAAAAAAAAAAAAAAhAAAAGAAAABQAAAA4EwAAGycAAAglAABZKQAAEAAAACYAAAAIAAAAAAAAAAAAAAA="/>
               </a:ext>
             </a:extLst>
           </p:cNvSpPr>
@@ -382,7 +382,7 @@
             <a:spLocks noGrp="1" noChangeArrowheads="1"/>
             <a:extLst>
               <a:ext uri="smNativeData">
-                <pr:smNativeData xmlns:pr="smNativeData" val="SMDATA_13_B6msYxMAAAAlAAAAZAAAAA8BAAAAkAAAAEgAAACQAAAASAAAAAAAAAABAAAAAAAAAAEAAABQAAAAAAAAAAAA4D8AAAAAAADgPwAAAAAAAOA/AAAAAAAA4D8AAAAAAADgPwAAAAAAAOA/AAAAAAAA4D8AAAAAAADgPwAAAAAAAOA/AAAAAAAA4D8CAAAAjAAAAAAAAAAAAAAAu+DjDP///wgAAAAAAAAAAAAAAAAAAAAAAAAAAAAAAAAAAAAAZAAAAAEAAABAAAAAAAAAAAAAAAAAAAAAAAAAAAAAAAAAAAAAAAAAAAAAAAAAAAAAAAAAAAAAAAAAAAAAAAAAAAAAAAAAAAAAAAAAAAAAAAAAAAAAAAAAAAAAAAAAAAAAFAAAADwAAAAAAAAAAAAAAAAAAAkUAAAAAQAAABQAAAAUAAAAFAAAAAEAAAAAAAAAZAAAAGQAAAAAAAAAZAAAAGQAAAAVAAAAYAAAAAAAAAAAAAAADwAAACADAAAAAAAAAAAAAAEAAACgMgAAVgcAAKr4//8BAAAAf39/AAEAAABkAAAAAAAAABQAAABAHwAAAAAAACYAAAAAAAAAwOD//wAAAAAmAAAAZAAAABYAAABMAAAAAAAAAAAAAAAEAAAAAAAAAAEAAACAgIAKAAAAACgAAAAoAAAAZAAAAGQAAAAAAAAAzMzMAAAAAABQAAAAUAAAAGQAAABkAAAAAAAAABcAAAAUAAAAAAAAAAAAAAD/fwAA/38AAAAAAAAJAAAABAAAAAAAAAAMAAAAEAAAAAAAAAAAAAAAAAAAAAAAAAAeAAAAaAAAAAAAAAAAAAAAAAAAAAAAAAAAAAAAECcAABAnAAAAAAAAAAAAAAAAAAAAAAAAAAAAAAAAAAAAAAAAAAAAABQAAAAAAAAAwMD/AAAAAABkAAAAMgAAAAAAAABkAAAAAAAAAH9/fwAKAAAAHwAAAFQAAAAAAAAFAAAAAQAAAAAAAAAAAAAAAAAAAAAAAAAAAAAAAAAAAAAAAAAAAAAAAn9/fwAAAAADzMzMAMDA/wB/f38AAAAAAAAAAAAAAAAAAAAAAAAAAAAhAAAAGAAAABQAAABQKAAAGycAAHA1AABZKQAAEAAAACYAAAAIAAAAAAAAAAAAAAA="/>
+                <pr:smNativeData xmlns:pr="smNativeData" val="SMDATA_13_Na6sYxMAAAAlAAAAZAAAAA8BAAAAkAAAAEgAAACQAAAASAAAAAAAAAABAAAAAAAAAAEAAABQAAAAAAAAAAAA4D8AAAAAAADgPwAAAAAAAOA/AAAAAAAA4D8AAAAAAADgPwAAAAAAAOA/AAAAAAAA4D8AAAAAAADgPwAAAAAAAOA/AAAAAAAA4D8CAAAAjAAAAAAAAAAAAAAAu+DjDP///wgAAAAAAAAAAAAAAAAAAAAAAAAAAAAAAAAAAAAAZAAAAAEAAABAAAAAAAAAAAAAAAAAAAAAAAAAAAAAAAAAAAAAAAAAAAAAAAAAAAAAAAAAAAAAAAAAAAAAAAAAAAAAAAAAAAAAAAAAAAAAAAAAAAAAAAAAAAAAAAAAAAAAFAAAADwAAAAAAAAAAAAAAAAAAAkUAAAAAQAAABQAAAAUAAAAFAAAAAEAAAAAAAAAZAAAAGQAAAAAAAAAZAAAAGQAAAAVAAAAYAAAAAAAAAAAAAAADwAAACADAAAAAAAAAAAAAAEAAACgMgAAVgcAAKr4//8BAAAAf39/AAEAAABkAAAAAAAAABQAAABAHwAAAAAAACYAAAAAAAAAwOD//wAAAAAmAAAAZAAAABYAAABMAAAAAAAAAAAAAAAEAAAAAAAAAAEAAACAgIAKAAAAACgAAAAoAAAAZAAAAGQAAAAAAAAAzMzMAAAAAABQAAAAUAAAAGQAAABkAAAAAAAAABcAAAAUAAAAAAAAAAAAAAD/fwAA/38AAAAAAAAJAAAABAAAAAAAAAAMAAAAEAAAAAAAAAAAAAAAAAAAAAAAAAAeAAAAaAAAAAAAAAAAAAAAAAAAAAAAAAAAAAAAECcAABAnAAAAAAAAAAAAAAAAAAAAAAAAAAAAAAAAAAAAAAAAAAAAABQAAAAAAAAAwMD/AAAAAABkAAAAMgAAAAAAAABkAAAAAAAAAH9/fwAKAAAAHwAAAFQAAAAAAAAFAAAAAQAAAAAAAAAAAAAAAAAAAAAAAAAAAAAAAAAAAAAAAAAAAAAAAn9/fwAAAAADzMzMAMDA/wB/f38AAAAAAAAAAAAAAAAAAAAAAAAAAAAhAAAAGAAAABQAAABQKAAAGycAAHA1AABZKQAAEAAAACYAAAAIAAAAAAAAAAAAAAA="/>
               </a:ext>
             </a:extLst>
           </p:cNvSpPr>
@@ -396,7 +396,7 @@
           <a:lstStyle/>
           <a:p>
             <a:pPr/>
-            <a:fld id="{1CA1F783-CDF1-F401-BF19-3B54B957496E}" type="slidenum">
+            <a:fld id="{1CB51F9A-D4F1-E0E9-BF0D-22BC51434977}" type="slidenum">
               <a:t/>
             </a:fld>
           </a:p>
@@ -434,7 +434,7 @@
             <a:spLocks noGrp="1" noChangeArrowheads="1"/>
             <a:extLst>
               <a:ext uri="smNativeData">
-                <pr:smNativeData xmlns:pr="smNativeData" val="SMDATA_13_B6msYxMAAAAlAAAAZAAAAA8BAAAAkAAAAEgAAACQAAAASAAAAAAAAAABAAAAAAAAAAEAAABQAAAAAAAAAAAA4D8AAAAAAADgPwAAAAAAAOA/AAAAAAAA4D8AAAAAAADgPwAAAAAAAOA/AAAAAAAA4D8AAAAAAADgPwAAAAAAAOA/AAAAAAAA4D8CAAAAjAAAAAAAAAAAAAAAu+DjDP///wgAAAAAAAAAAAAAAAAAAAAAAAAAAAAAAAAAAAAAZAAAAAEAAABAAAAAAAAAAAAAAAAAAAAAAAAAAAAAAAAAAAAAAAAAAAAAAAAAAAAAAAAAAAAAAAAAAAAAAAAAAAAAAAAAAAAAAAAAAAAAAAAAAAAAAAAAAAAAAAAAAAAAFAAAADwAAAAAAAAAAAAAAAAAAAkUAAAAAQAAABQAAAAUAAAAFAAAAAEAAAAAAAAAZAAAAGQAAAAAAAAAZAAAAGQAAAAVAAAAYAAAAAAAAAAAAAAADwAAACADAAAAAAAAAAAAAAEAAACgMgAAVgcAAKr4//8BAAAAf39/AAEAAABkAAAAAAAAABQAAABAHwAAAAAAACYAAAAAAAAAwOD//wAAAAAmAAAAZAAAABYAAABMAAAAAAAAAAAAAAAEAAAAAAAAAAEAAACAgIAKAAAAACgAAAAoAAAAZAAAAGQAAAAAAAAAzMzMAAAAAABQAAAAUAAAAGQAAABkAAAAAAAAABcAAAAUAAAAAAAAAAAAAAD/fwAA/38AAAAAAAAJAAAABAAAAAAAAAAMAAAAEAAAAAAAAAAAAAAAAAAAAAAAAAAeAAAAaAAAAAAAAAAAAAAAAAAAAAAAAAAAAAAAECcAABAnAAAAAAAAAAAAAAAAAAAAAAAAAAAAAAAAAAAAAAAAAAAAABQAAAAAAAAAwMD/AAAAAABkAAAAMgAAAAAAAABkAAAAAAAAAH9/fwAKAAAAHwAAAFQAAAAAAAAFAAAAAQAAAAAAAAAAAAAAAAAAAAAAAAAAAAAAAAAAAAAAAAAAAAAAAn9/fwAAAAADzMzMAMDA/wB/f38AAAAAAAAAAAAAAAAAAAAAAAAAAAAhAAAAGAAAABQAAADQAgAAsAEAAHA1AAC4CAAAEAAAACYAAAAIAAAAAAAAAAAAAAA="/>
+                <pr:smNativeData xmlns:pr="smNativeData" val="SMDATA_13_Na6sYxMAAAAlAAAAZAAAAA8BAAAAkAAAAEgAAACQAAAASAAAAAAAAAABAAAAAAAAAAEAAABQAAAAAAAAAAAA4D8AAAAAAADgPwAAAAAAAOA/AAAAAAAA4D8AAAAAAADgPwAAAAAAAOA/AAAAAAAA4D8AAAAAAADgPwAAAAAAAOA/AAAAAAAA4D8CAAAAjAAAAAAAAAAAAAAAu+DjDP///wgAAAAAAAAAAAAAAAAAAAAAAAAAAAAAAAAAAAAAZAAAAAEAAABAAAAAAAAAAAAAAAAAAAAAAAAAAAAAAAAAAAAAAAAAAAAAAAAAAAAAAAAAAAAAAAAAAAAAAAAAAAAAAAAAAAAAAAAAAAAAAAAAAAAAAAAAAAAAAAAAAAAAFAAAADwAAAAAAAAAAAAAAAAAAAkUAAAAAQAAABQAAAAUAAAAFAAAAAEAAAAAAAAAZAAAAGQAAAAAAAAAZAAAAGQAAAAVAAAAYAAAAAAAAAAAAAAADwAAACADAAAAAAAAAAAAAAEAAACgMgAAVgcAAKr4//8BAAAAf39/AAEAAABkAAAAAAAAABQAAABAHwAAAAAAACYAAAAAAAAAwOD//wAAAAAmAAAAZAAAABYAAABMAAAAAAAAAAAAAAAEAAAAAAAAAAEAAACAgIAKAAAAACgAAAAoAAAAZAAAAGQAAAAAAAAAzMzMAAAAAABQAAAAUAAAAGQAAABkAAAAAAAAABcAAAAUAAAAAAAAAAAAAAD/fwAA/38AAAAAAAAJAAAABAAAAAAAAAAMAAAAEAAAAAAAAAAAAAAAAAAAAAAAAAAeAAAAaAAAAAAAAAAAAAAAAAAAAAAAAAAAAAAAECcAABAnAAAAAAAAAAAAAAAAAAAAAAAAAAAAAAAAAAAAAAAAAAAAABQAAAAAAAAAwMD/AAAAAABkAAAAMgAAAAAAAABkAAAAAAAAAH9/fwAKAAAAHwAAAFQAAAAAAAAFAAAAAQAAAAAAAAAAAAAAAAAAAAAAAAAAAAAAAAAAAAAAAAAAAAAAAn9/fwAAAAADzMzMAMDA/wB/f38AAAAAAAAAAAAAAAAAAAAAAAAAAAAhAAAAGAAAABQAAADQAgAAsAEAAHA1AAC4CAAAEAAAACYAAAAIAAAAAAAAAAAAAAA="/>
               </a:ext>
             </a:extLst>
           </p:cNvSpPr>
@@ -461,7 +461,7 @@
             <a:spLocks noGrp="1" noChangeArrowheads="1"/>
             <a:extLst>
               <a:ext uri="smNativeData">
-                <pr:smNativeData xmlns:pr="smNativeData" val="SMDATA_13_B6msYxMAAAAlAAAAZAAAAA8BAAAAkAAAAEgAAACQAAAASAAAAAAAAAAAAAAAAQAAAAEAAABQAAAAAAAAAAAA4D8AAAAAAADgPwAAAAAAAOA/AAAAAAAA4D8AAAAAAADgPwAAAAAAAOA/AAAAAAAA4D8AAAAAAADgPwAAAAAAAOA/AAAAAAAA4D8CAAAAjAAAAAAAAAAAAAAAu+DjDP///wgAAAAAAAAAAAAAAAAAAAAAAAAAAAAAAAAAAAAAZAAAAAEAAABAAAAAAAAAAAAAAAAAAAAAAAAAAAAAAAAAAAAAAAAAAAAAAAAAAAAAAAAAAAAAAAAAAAAAAAAAAAAAAAAAAAAAAAAAAAAAAAAAAAAAAAAAAAAAAAAAAAAAFAAAADwAAAAAAAAAAAAAAAAAAAkUAAAAAQAAABQAAAAUAAAAFAAAAAEAAAAAAAAAZAAAAGQAAAAAAAAAZAAAAGQAAAAVAAAAYAAAAAAAAAAAAAAADwAAACADAAAAAAAAAAAAAAEAAACgMgAAVgcAAKr4//8BAAAAf39/AAEAAABkAAAAAAAAABQAAABAHwAAAAAAACYAAAAAAAAAwOD//wAAAAAmAAAAZAAAABYAAABMAAAAAAAAAAAAAAAEAAAAAAAAAAEAAACAgIAKAAAAACgAAAAoAAAAZAAAAGQAAAAAAAAAzMzMAAAAAABQAAAAUAAAAGQAAABkAAAAAAAAABcAAAAUAAAAAAAAAAAAAAD/fwAA/38AAAAAAAAJAAAABAAAAAAAAAAMAAAAEAAAAAAAAAAAAAAAAAAAAAAAAAAeAAAAaAAAAAAAAAAAAAAAAAAAAAAAAAAAAAAAECcAABAnAAAAAAAAAAAAAAAAAAAAAAAAAAAAAAAAAAAAAAAAAAAAABQAAAAAAAAAwMD/AAAAAABkAAAAMgAAAAAAAABkAAAAAAAAAH9/fwAKAAAAHwAAAFQAAAAAAAAFAAAAAQAAAAAAAAAAAAAAAAAAAAAAAAAAAAAAAAAAAAAAAAAAAAAAAn9/fwAAAAADzMzMAMDA/wB/f38AAAAAAAAAAAAAAAAAAAAAAAAAAAAhAAAAGAAAABQAAADQAgAA2AkAAHA1AACwJQAAEAAAACYAAAAIAAAAAgAAAAAAAAA="/>
+                <pr:smNativeData xmlns:pr="smNativeData" val="SMDATA_13_Na6sYxMAAAAlAAAAZAAAAA8BAAAAkAAAAEgAAACQAAAASAAAAAAAAAAAAAAAAQAAAAEAAABQAAAAAAAAAAAA4D8AAAAAAADgPwAAAAAAAOA/AAAAAAAA4D8AAAAAAADgPwAAAAAAAOA/AAAAAAAA4D8AAAAAAADgPwAAAAAAAOA/AAAAAAAA4D8CAAAAjAAAAAAAAAAAAAAAu+DjDP///wgAAAAAAAAAAAAAAAAAAAAAAAAAAAAAAAAAAAAAZAAAAAEAAABAAAAAAAAAAAAAAAAAAAAAAAAAAAAAAAAAAAAAAAAAAAAAAAAAAAAAAAAAAAAAAAAAAAAAAAAAAAAAAAAAAAAAAAAAAAAAAAAAAAAAAAAAAAAAAAAAAAAAFAAAADwAAAAAAAAAAAAAAAAAAAkUAAAAAQAAABQAAAAUAAAAFAAAAAEAAAAAAAAAZAAAAGQAAAAAAAAAZAAAAGQAAAAVAAAAYAAAAAAAAAAAAAAADwAAACADAAAAAAAAAAAAAAEAAACgMgAAVgcAAKr4//8BAAAAf39/AAEAAABkAAAAAAAAABQAAABAHwAAAAAAACYAAAAAAAAAwOD//wAAAAAmAAAAZAAAABYAAABMAAAAAAAAAAAAAAAEAAAAAAAAAAEAAACAgIAKAAAAACgAAAAoAAAAZAAAAGQAAAAAAAAAzMzMAAAAAABQAAAAUAAAAGQAAABkAAAAAAAAABcAAAAUAAAAAAAAAAAAAAD/fwAA/38AAAAAAAAJAAAABAAAAAAAAAAMAAAAEAAAAAAAAAAAAAAAAAAAAAAAAAAeAAAAaAAAAAAAAAAAAAAAAAAAAAAAAAAAAAAAECcAABAnAAAAAAAAAAAAAAAAAAAAAAAAAAAAAAAAAAAAAAAAAAAAABQAAAAAAAAAwMD/AAAAAABkAAAAMgAAAAAAAABkAAAAAAAAAH9/fwAKAAAAHwAAAFQAAAAAAAAFAAAAAQAAAAAAAAAAAAAAAAAAAAAAAAAAAAAAAAAAAAAAAAAAAAAAAn9/fwAAAAADzMzMAMDA/wB/f38AAAAAAAAAAAAAAAAAAAAAAAAAAAAhAAAAGAAAABQAAADQAgAA2AkAAHA1AACwJQAAEAAAACYAAAAIAAAAAgAAAAAAAAA="/>
               </a:ext>
             </a:extLst>
           </p:cNvSpPr>
@@ -516,7 +516,7 @@
             <a:spLocks noGrp="1" noChangeArrowheads="1"/>
             <a:extLst>
               <a:ext uri="smNativeData">
-                <pr:smNativeData xmlns:pr="smNativeData" val="SMDATA_13_B6msYxMAAAAlAAAAZAAAAA8BAAAAkAAAAEgAAACQAAAASAAAAAAAAAABAAAAAAAAAAEAAABQAAAAAAAAAAAA4D8AAAAAAADgPwAAAAAAAOA/AAAAAAAA4D8AAAAAAADgPwAAAAAAAOA/AAAAAAAA4D8AAAAAAADgPwAAAAAAAOA/AAAAAAAA4D8CAAAAjAAAAAAAAAAAAAAAu+DjDP///wgAAAAAAAAAAAAAAAAAAAAAAAAAAAAAAAAAAAAAZAAAAAEAAABAAAAAAAAAAAAAAAAAAAAAAAAAAAAAAAAAAAAAAAAAAAAAAAAAAAAAAAAAAAAAAAAAAAAAAAAAAAAAAAAAAAAAAAAAAAAAAAAAAAAAAAAAAAAAAAAAAAAAFAAAADwAAAAAAAAAAAAAAAAAAAkUAAAAAQAAABQAAAAUAAAAFAAAAAEAAAAAAAAAZAAAAGQAAAAAAAAAZAAAAGQAAAAVAAAAYAAAAAAAAAAAAAAADwAAACADAAAAAAAAAAAAAAEAAACgMgAAVgcAAKr4//8BAAAAf39/AAEAAABkAAAAAAAAABQAAABAHwAAAAAAACYAAAAAAAAAwOD//wAAAAAmAAAAZAAAABYAAABMAAAAAAAAAAAAAAAEAAAAAAAAAAEAAACAgIAKAAAAACgAAAAoAAAAZAAAAGQAAAAAAAAAzMzMAAAAAABQAAAAUAAAAGQAAABkAAAAAAAAABcAAAAUAAAAAAAAAAAAAAD/fwAA/38AAAAAAAAJAAAABAAAAAAAAAAMAAAAEAAAAAAAAAAAAAAAAAAAAAAAAAAeAAAAaAAAAAAAAAAAAAAAAAAAAAAAAAAAAAAAECcAABAnAAAAAAAAAAAAAAAAAAAAAAAAAAAAAAAAAAAAAAAAAAAAABQAAAAAAAAAwMD/AAAAAABkAAAAMgAAAAAAAABkAAAAAAAAAH9/fwAKAAAAHwAAAFQAAAAAAAAFAAAAAQAAAAAAAAAAAAAAAAAAAAAAAAAAAAAAAAAAAAAAAAAAAAAAAn9/fwAAAAADzMzMAMDA/wB/f38AAAAAAAAAAAAAAAAAAAAAAAAAAAAhAAAAGAAAABQAAADQAgAAGycAAPAPAABZKQAAEAAAACYAAAAIAAAAAAAAAAAAAAA="/>
+                <pr:smNativeData xmlns:pr="smNativeData" val="SMDATA_13_Na6sYxMAAAAlAAAAZAAAAA8BAAAAkAAAAEgAAACQAAAASAAAAAAAAAABAAAAAAAAAAEAAABQAAAAAAAAAAAA4D8AAAAAAADgPwAAAAAAAOA/AAAAAAAA4D8AAAAAAADgPwAAAAAAAOA/AAAAAAAA4D8AAAAAAADgPwAAAAAAAOA/AAAAAAAA4D8CAAAAjAAAAAAAAAAAAAAAu+DjDP///wgAAAAAAAAAAAAAAAAAAAAAAAAAAAAAAAAAAAAAZAAAAAEAAABAAAAAAAAAAAAAAAAAAAAAAAAAAAAAAAAAAAAAAAAAAAAAAAAAAAAAAAAAAAAAAAAAAAAAAAAAAAAAAAAAAAAAAAAAAAAAAAAAAAAAAAAAAAAAAAAAAAAAFAAAADwAAAAAAAAAAAAAAAAAAAkUAAAAAQAAABQAAAAUAAAAFAAAAAEAAAAAAAAAZAAAAGQAAAAAAAAAZAAAAGQAAAAVAAAAYAAAAAAAAAAAAAAADwAAACADAAAAAAAAAAAAAAEAAACgMgAAVgcAAKr4//8BAAAAf39/AAEAAABkAAAAAAAAABQAAABAHwAAAAAAACYAAAAAAAAAwOD//wAAAAAmAAAAZAAAABYAAABMAAAAAAAAAAAAAAAEAAAAAAAAAAEAAACAgIAKAAAAACgAAAAoAAAAZAAAAGQAAAAAAAAAzMzMAAAAAABQAAAAUAAAAGQAAABkAAAAAAAAABcAAAAUAAAAAAAAAAAAAAD/fwAA/38AAAAAAAAJAAAABAAAAAAAAAAMAAAAEAAAAAAAAAAAAAAAAAAAAAAAAAAeAAAAaAAAAAAAAAAAAAAAAAAAAAAAAAAAAAAAECcAABAnAAAAAAAAAAAAAAAAAAAAAAAAAAAAAAAAAAAAAAAAAAAAABQAAAAAAAAAwMD/AAAAAABkAAAAMgAAAAAAAABkAAAAAAAAAH9/fwAKAAAAHwAAAFQAAAAAAAAFAAAAAQAAAAAAAAAAAAAAAAAAAAAAAAAAAAAAAAAAAAAAAAAAAAAAAn9/fwAAAAADzMzMAMDA/wB/f38AAAAAAAAAAAAAAAAAAAAAAAAAAAAhAAAAGAAAABQAAADQAgAAGycAAPAPAABZKQAAEAAAACYAAAAIAAAAAAAAAAAAAAA="/>
               </a:ext>
             </a:extLst>
           </p:cNvSpPr>
@@ -530,7 +530,7 @@
           <a:lstStyle/>
           <a:p>
             <a:pPr/>
-            <a:fld id="{1CA1EC69-27F1-F41A-BF19-D14FA2574984}" type="datetime1">
+            <a:fld id="{1CB50AA3-EDF1-E0FC-BF0D-1BA94443494E}" type="datetime1">
               <a:t/>
             </a:fld>
           </a:p>
@@ -543,7 +543,7 @@
             <a:spLocks noGrp="1" noChangeArrowheads="1"/>
             <a:extLst>
               <a:ext uri="smNativeData">
-                <pr:smNativeData xmlns:pr="smNativeData" val="SMDATA_13_B6msYxMAAAAlAAAAZAAAAA8BAAAAkAAAAEgAAACQAAAASAAAAAAAAAABAAAAAAAAAAEAAABQAAAAAAAAAAAA4D8AAAAAAADgPwAAAAAAAOA/AAAAAAAA4D8AAAAAAADgPwAAAAAAAOA/AAAAAAAA4D8AAAAAAADgPwAAAAAAAOA/AAAAAAAA4D8CAAAAjAAAAAAAAAAAAAAAu+DjDP///wgAAAAAAAAAAAAAAAAAAAAAAAAAAAAAAAAAAAAAZAAAAAEAAABAAAAAAAAAAAAAAAAAAAAAAAAAAAAAAAAAAAAAAAAAAAAAAAAAAAAAAAAAAAAAAAAAAAAAAAAAAAAAAAAAAAAAAAAAAAAAAAAAAAAAAAAAAAAAAAAAAAAAFAAAADwAAAAAAAAAAAAAAAAAAAkUAAAAAQAAABQAAAAUAAAAFAAAAAEAAAAAAAAAZAAAAGQAAAAAAAAAZAAAAGQAAAAVAAAAYAAAAAAAAAAAAAAADwAAACADAAAAAAAAAAAAAAEAAACgMgAAVgcAAKr4//8BAAAAf39/AAEAAABkAAAAAAAAABQAAABAHwAAAAAAACYAAAAAAAAAwOD//wAAAAAmAAAAZAAAABYAAABMAAAAAAAAAAAAAAAEAAAAAAAAAAEAAACAgIAKAAAAACgAAAAoAAAAZAAAAGQAAAAAAAAAzMzMAAAAAABQAAAAUAAAAGQAAABkAAAAAAAAABcAAAAUAAAAAAAAAAAAAAD/fwAA/38AAAAAAAAJAAAABAAAAAAAAAAMAAAAEAAAAAAAAAAAAAAAAAAAAAAAAAAeAAAAaAAAAAAAAAAAAAAAAAAAAAAAAAAAAAAAECcAABAnAAAAAAAAAAAAAAAAAAAAAAAAAAAAAAAAAAAAAAAAAAAAABQAAAAAAAAAwMD/AAAAAABkAAAAMgAAAAAAAABkAAAAAAAAAH9/fwAKAAAAHwAAAFQAAAAAAAAFAAAAAQAAAAAAAAAAAAAAAAAAAAAAAAAAAAAAAAAAAAAAAAAAAAAAAn9/fwAAAAADzMzMAMDA/wB/f38AAAAAAAAAAAAAAAAAAAAAAAAAAAAhAAAAGAAAABQAAAA4EwAAGycAAAglAABZKQAAEAAAACYAAAAIAAAAAAAAAAAAAAA="/>
+                <pr:smNativeData xmlns:pr="smNativeData" val="SMDATA_13_Na6sYxMAAAAlAAAAZAAAAA8BAAAAkAAAAEgAAACQAAAASAAAAAAAAAABAAAAAAAAAAEAAABQAAAAAAAAAAAA4D8AAAAAAADgPwAAAAAAAOA/AAAAAAAA4D8AAAAAAADgPwAAAAAAAOA/AAAAAAAA4D8AAAAAAADgPwAAAAAAAOA/AAAAAAAA4D8CAAAAjAAAAAAAAAAAAAAAu+DjDP///wgAAAAAAAAAAAAAAAAAAAAAAAAAAAAAAAAAAAAAZAAAAAEAAABAAAAAAAAAAAAAAAAAAAAAAAAAAAAAAAAAAAAAAAAAAAAAAAAAAAAAAAAAAAAAAAAAAAAAAAAAAAAAAAAAAAAAAAAAAAAAAAAAAAAAAAAAAAAAAAAAAAAAFAAAADwAAAAAAAAAAAAAAAAAAAkUAAAAAQAAABQAAAAUAAAAFAAAAAEAAAAAAAAAZAAAAGQAAAAAAAAAZAAAAGQAAAAVAAAAYAAAAAAAAAAAAAAADwAAACADAAAAAAAAAAAAAAEAAACgMgAAVgcAAKr4//8BAAAAf39/AAEAAABkAAAAAAAAABQAAABAHwAAAAAAACYAAAAAAAAAwOD//wAAAAAmAAAAZAAAABYAAABMAAAAAAAAAAAAAAAEAAAAAAAAAAEAAACAgIAKAAAAACgAAAAoAAAAZAAAAGQAAAAAAAAAzMzMAAAAAABQAAAAUAAAAGQAAABkAAAAAAAAABcAAAAUAAAAAAAAAAAAAAD/fwAA/38AAAAAAAAJAAAABAAAAAAAAAAMAAAAEAAAAAAAAAAAAAAAAAAAAAAAAAAeAAAAaAAAAAAAAAAAAAAAAAAAAAAAAAAAAAAAECcAABAnAAAAAAAAAAAAAAAAAAAAAAAAAAAAAAAAAAAAAAAAAAAAABQAAAAAAAAAwMD/AAAAAABkAAAAMgAAAAAAAABkAAAAAAAAAH9/fwAKAAAAHwAAAFQAAAAAAAAFAAAAAQAAAAAAAAAAAAAAAAAAAAAAAAAAAAAAAAAAAAAAAAAAAAAAAn9/fwAAAAADzMzMAMDA/wB/f38AAAAAAAAAAAAAAAAAAAAAAAAAAAAhAAAAGAAAABQAAAA4EwAAGycAAAglAABZKQAAEAAAACYAAAAIAAAAAAAAAAAAAAA="/>
               </a:ext>
             </a:extLst>
           </p:cNvSpPr>
@@ -567,7 +567,7 @@
             <a:spLocks noGrp="1" noChangeArrowheads="1"/>
             <a:extLst>
               <a:ext uri="smNativeData">
-                <pr:smNativeData xmlns:pr="smNativeData" val="SMDATA_13_B6msYxMAAAAlAAAAZAAAAA8BAAAAkAAAAEgAAACQAAAASAAAAAAAAAABAAAAAAAAAAEAAABQAAAAAAAAAAAA4D8AAAAAAADgPwAAAAAAAOA/AAAAAAAA4D8AAAAAAADgPwAAAAAAAOA/AAAAAAAA4D8AAAAAAADgPwAAAAAAAOA/AAAAAAAA4D8CAAAAjAAAAAAAAAAAAAAAu+DjDP///wgAAAAAAAAAAAAAAAAAAAAAAAAAAAAAAAAAAAAAZAAAAAEAAABAAAAAAAAAAAAAAAAAAAAAAAAAAAAAAAAAAAAAAAAAAAAAAAAAAAAAAAAAAAAAAAAAAAAAAAAAAAAAAAAAAAAAAAAAAAAAAAAAAAAAAAAAAAAAAAAAAAAAFAAAADwAAAAAAAAAAAAAAAAAAAkUAAAAAQAAABQAAAAUAAAAFAAAAAEAAAAAAAAAZAAAAGQAAAAAAAAAZAAAAGQAAAAVAAAAYAAAAAAAAAAAAAAADwAAACADAAAAAAAAAAAAAAEAAACgMgAAVgcAAKr4//8BAAAAf39/AAEAAABkAAAAAAAAABQAAABAHwAAAAAAACYAAAAAAAAAwOD//wAAAAAmAAAAZAAAABYAAABMAAAAAAAAAAAAAAAEAAAAAAAAAAEAAACAgIAKAAAAACgAAAAoAAAAZAAAAGQAAAAAAAAAzMzMAAAAAABQAAAAUAAAAGQAAABkAAAAAAAAABcAAAAUAAAAAAAAAAAAAAD/fwAA/38AAAAAAAAJAAAABAAAAAAAAAAMAAAAEAAAAAAAAAAAAAAAAAAAAAAAAAAeAAAAaAAAAAAAAAAAAAAAAAAAAAAAAAAAAAAAECcAABAnAAAAAAAAAAAAAAAAAAAAAAAAAAAAAAAAAAAAAAAAAAAAABQAAAAAAAAAwMD/AAAAAABkAAAAMgAAAAAAAABkAAAAAAAAAH9/fwAKAAAAHwAAAFQAAAAAAAAFAAAAAQAAAAAAAAAAAAAAAAAAAAAAAAAAAAAAAAAAAAAAAAAAAAAAAn9/fwAAAAADzMzMAMDA/wB/f38AAAAAAAAAAAAAAAAAAAAAAAAAAAAhAAAAGAAAABQAAABQKAAAGycAAHA1AABZKQAAEAAAACYAAAAIAAAAAAAAAAAAAAA="/>
+                <pr:smNativeData xmlns:pr="smNativeData" val="SMDATA_13_Na6sYxMAAAAlAAAAZAAAAA8BAAAAkAAAAEgAAACQAAAASAAAAAAAAAABAAAAAAAAAAEAAABQAAAAAAAAAAAA4D8AAAAAAADgPwAAAAAAAOA/AAAAAAAA4D8AAAAAAADgPwAAAAAAAOA/AAAAAAAA4D8AAAAAAADgPwAAAAAAAOA/AAAAAAAA4D8CAAAAjAAAAAAAAAAAAAAAu+DjDP///wgAAAAAAAAAAAAAAAAAAAAAAAAAAAAAAAAAAAAAZAAAAAEAAABAAAAAAAAAAAAAAAAAAAAAAAAAAAAAAAAAAAAAAAAAAAAAAAAAAAAAAAAAAAAAAAAAAAAAAAAAAAAAAAAAAAAAAAAAAAAAAAAAAAAAAAAAAAAAAAAAAAAAFAAAADwAAAAAAAAAAAAAAAAAAAkUAAAAAQAAABQAAAAUAAAAFAAAAAEAAAAAAAAAZAAAAGQAAAAAAAAAZAAAAGQAAAAVAAAAYAAAAAAAAAAAAAAADwAAACADAAAAAAAAAAAAAAEAAACgMgAAVgcAAKr4//8BAAAAf39/AAEAAABkAAAAAAAAABQAAABAHwAAAAAAACYAAAAAAAAAwOD//wAAAAAmAAAAZAAAABYAAABMAAAAAAAAAAAAAAAEAAAAAAAAAAEAAACAgIAKAAAAACgAAAAoAAAAZAAAAGQAAAAAAAAAzMzMAAAAAABQAAAAUAAAAGQAAABkAAAAAAAAABcAAAAUAAAAAAAAAAAAAAD/fwAA/38AAAAAAAAJAAAABAAAAAAAAAAMAAAAEAAAAAAAAAAAAAAAAAAAAAAAAAAeAAAAaAAAAAAAAAAAAAAAAAAAAAAAAAAAAAAAECcAABAnAAAAAAAAAAAAAAAAAAAAAAAAAAAAAAAAAAAAAAAAAAAAABQAAAAAAAAAwMD/AAAAAABkAAAAMgAAAAAAAABkAAAAAAAAAH9/fwAKAAAAHwAAAFQAAAAAAAAFAAAAAQAAAAAAAAAAAAAAAAAAAAAAAAAAAAAAAAAAAAAAAAAAAAAAAn9/fwAAAAADzMzMAMDA/wB/f38AAAAAAAAAAAAAAAAAAAAAAAAAAAAhAAAAGAAAABQAAABQKAAAGycAAHA1AABZKQAAEAAAACYAAAAIAAAAAAAAAAAAAAA="/>
               </a:ext>
             </a:extLst>
           </p:cNvSpPr>
@@ -581,7 +581,7 @@
           <a:lstStyle/>
           <a:p>
             <a:pPr/>
-            <a:fld id="{1CA1FC2D-63F1-F40A-BF19-955FB25749C0}" type="slidenum">
+            <a:fld id="{1CB579FE-B0F1-E08F-BF0D-46DA37434913}" type="slidenum">
               <a:t/>
             </a:fld>
           </a:p>
@@ -619,7 +619,7 @@
             <a:spLocks noGrp="1" noChangeArrowheads="1"/>
             <a:extLst>
               <a:ext uri="smNativeData">
-                <pr:smNativeData xmlns:pr="smNativeData" val="SMDATA_13_B6msYxMAAAAlAAAAZAAAAA8BAAAAkAAAAEgAAACQAAAASAAAAAAAAAACAAAAAQAAAAEAAABQAAAAAAAAAAAA4D8AAAAAAADgPwAAAAAAAOA/AAAAAAAA4D8AAAAAAADgPwAAAAAAAOA/AAAAAAAA4D8AAAAAAADgPwAAAAAAAOA/AAAAAAAA4D8CAAAAjAAAAAAAAAAAAAAAu+DjDP///wgAAAAAAAAAAAAAAAAAAAAAAAAAAAAAAAAAAAAAZAAAAAEAAABAAAAAAAAAAAAAAAAAAAAAAAAAAAAAAAAAAAAAAAAAAAAAAAAAAAAAAAAAAAAAAAAAAAAAAAAAAAAAAAAAAAAAAAAAAAAAAAAAAAAAAAAAAAAAAAAAAAAAFAAAADwAAAAAAAAAAAAAAAAAAAkUAAAAAQAAABQAAAAUAAAAFAAAAAEAAAAAAAAAZAAAAGQAAAAAAAAAZAAAAGQAAAAVAAAAYAAAAAAAAAAAAAAADwAAACADAAAAAAAAAAAAAAEAAACgMgAAVgcAAKr4//8BAAAAf39/AAEAAABkAAAAAAAAABQAAABAHwAAAAAAACYAAAAAAAAAwOD//wAAAAAmAAAAZAAAABYAAABMAAAAAAAAAAAAAAAEAAAAAAAAAAEAAACAgIAKAAAAACgAAAAoAAAAZAAAAGQAAAAAAAAAzMzMAAAAAABQAAAAUAAAAGQAAABkAAAAAAAAABcAAAAUAAAAAAAAAAAAAAD/fwAA/38AAAAAAAAJAAAABAAAAAAAAAAMAAAAEAAAAAAAAAAAAAAAAAAAAAAAAAAeAAAAaAAAAAAAAAAAAAAAAAAAAAAAAAAAAAAAECcAABAnAAAAAAAAAAAAAAAAAAAAAAAAAAAAAAAAAAAAAAAAAAAAABQAAAAAAAAAwMD/AAAAAABkAAAAMgAAAAAAAABkAAAAAAAAAH9/fwAKAAAAHwAAAFQAAAAAAAAFAAAAAQAAAAAAAAAAAAAAAAAAAAAAAAAAAAAAAAAAAAAAAAAAAAAAAn9/fwAAAAADzMzMAMDA/wB/f38AAAAAAAAAAAAAAAAAAAAAAAAAAAAhAAAAGAAAABQAAADIKAAAsAEAAHA1AACwJQAAEAAAACYAAAAIAAAAgwAAAAAAAAA="/>
+                <pr:smNativeData xmlns:pr="smNativeData" val="SMDATA_13_Na6sYxMAAAAlAAAAZAAAAA8BAAAAkAAAAEgAAACQAAAASAAAAAAAAAACAAAAAQAAAAEAAABQAAAAAAAAAAAA4D8AAAAAAADgPwAAAAAAAOA/AAAAAAAA4D8AAAAAAADgPwAAAAAAAOA/AAAAAAAA4D8AAAAAAADgPwAAAAAAAOA/AAAAAAAA4D8CAAAAjAAAAAAAAAAAAAAAu+DjDP///wgAAAAAAAAAAAAAAAAAAAAAAAAAAAAAAAAAAAAAZAAAAAEAAABAAAAAAAAAAAAAAAAAAAAAAAAAAAAAAAAAAAAAAAAAAAAAAAAAAAAAAAAAAAAAAAAAAAAAAAAAAAAAAAAAAAAAAAAAAAAAAAAAAAAAAAAAAAAAAAAAAAAAFAAAADwAAAAAAAAAAAAAAAAAAAkUAAAAAQAAABQAAAAUAAAAFAAAAAEAAAAAAAAAZAAAAGQAAAAAAAAAZAAAAGQAAAAVAAAAYAAAAAAAAAAAAAAADwAAACADAAAAAAAAAAAAAAEAAACgMgAAVgcAAKr4//8BAAAAf39/AAEAAABkAAAAAAAAABQAAABAHwAAAAAAACYAAAAAAAAAwOD//wAAAAAmAAAAZAAAABYAAABMAAAAAAAAAAAAAAAEAAAAAAAAAAEAAACAgIAKAAAAACgAAAAoAAAAZAAAAGQAAAAAAAAAzMzMAAAAAABQAAAAUAAAAGQAAABkAAAAAAAAABcAAAAUAAAAAAAAAAAAAAD/fwAA/38AAAAAAAAJAAAABAAAAAAAAAAMAAAAEAAAAAAAAAAAAAAAAAAAAAAAAAAeAAAAaAAAAAAAAAAAAAAAAAAAAAAAAAAAAAAAECcAABAnAAAAAAAAAAAAAAAAAAAAAAAAAAAAAAAAAAAAAAAAAAAAABQAAAAAAAAAwMD/AAAAAABkAAAAMgAAAAAAAABkAAAAAAAAAH9/fwAKAAAAHwAAAFQAAAAAAAAFAAAAAQAAAAAAAAAAAAAAAAAAAAAAAAAAAAAAAAAAAAAAAAAAAAAAAn9/fwAAAAADzMzMAMDA/wB/f38AAAAAAAAAAAAAAAAAAAAAAAAAAAAhAAAAGAAAABQAAADIKAAAsAEAAHA1AACwJQAAEAAAACYAAAAIAAAAgwAAAAAAAAA="/>
               </a:ext>
             </a:extLst>
           </p:cNvSpPr>
@@ -655,7 +655,7 @@
             <a:spLocks noGrp="1" noChangeArrowheads="1"/>
             <a:extLst>
               <a:ext uri="smNativeData">
-                <pr:smNativeData xmlns:pr="smNativeData" val="SMDATA_13_B6msYxMAAAAlAAAAZAAAAA8BAAAAkAAAAEgAAACQAAAASAAAAAAAAAAAAAAAAQAAAAEAAABQAAAAAAAAAAAA4D8AAAAAAADgPwAAAAAAAOA/AAAAAAAA4D8AAAAAAADgPwAAAAAAAOA/AAAAAAAA4D8AAAAAAADgPwAAAAAAAOA/AAAAAAAA4D8CAAAAjAAAAAAAAAAAAAAAu+DjDP///wgAAAAAAAAAAAAAAAAAAAAAAAAAAAAAAAAAAAAAZAAAAAEAAABAAAAAAAAAAAAAAAAAAAAAAAAAAAAAAAAAAAAAAAAAAAAAAAAAAAAAAAAAAAAAAAAAAAAAAAAAAAAAAAAAAAAAAAAAAAAAAAAAAAAAAAAAAAAAAAAAAAAAFAAAADwAAAAAAAAAAAAAAAAAAAkUAAAAAQAAABQAAAAUAAAAFAAAAAEAAAAAAAAAZAAAAGQAAAAAAAAAZAAAAGQAAAAVAAAAYAAAAAAAAAAAAAAADwAAACADAAAAAAAAAAAAAAEAAACgMgAAVgcAAKr4//8BAAAAf39/AAEAAABkAAAAAAAAABQAAABAHwAAAAAAACYAAAAAAAAAwOD//wAAAAAmAAAAZAAAABYAAABMAAAAAAAAAAAAAAAEAAAAAAAAAAEAAACAgIAKAAAAACgAAAAoAAAAZAAAAGQAAAAAAAAAzMzMAAAAAABQAAAAUAAAAGQAAABkAAAAAAAAABcAAAAUAAAAAAAAAAAAAAD/fwAA/38AAAAAAAAJAAAABAAAAAAAAAAMAAAAEAAAAAAAAAAAAAAAAAAAAAAAAAAeAAAAaAAAAAAAAAAAAAAAAAAAAAAAAAAAAAAAECcAABAnAAAAAAAAAAAAAAAAAAAAAAAAAAAAAAAAAAAAAAAAAAAAABQAAAAAAAAAwMD/AAAAAABkAAAAMgAAAAAAAABkAAAAAAAAAH9/fwAKAAAAHwAAAFQAAAAAAAAFAAAAAQAAAAAAAAAAAAAAAAAAAAAAAAAAAAAAAAAAAAAAAAAAAAAAAn9/fwAAAAADzMzMAMDA/wB/f38AAAAAAAAAAAAAAAAAAAAAAAAAAAAhAAAAGAAAABQAAADQAgAAsAEAANgnAACwJQAAEAAAACYAAAAIAAAAAwAAAAAAAAA="/>
+                <pr:smNativeData xmlns:pr="smNativeData" val="SMDATA_13_Na6sYxMAAAAlAAAAZAAAAA8BAAAAkAAAAEgAAACQAAAASAAAAAAAAAAAAAAAAQAAAAEAAABQAAAAAAAAAAAA4D8AAAAAAADgPwAAAAAAAOA/AAAAAAAA4D8AAAAAAADgPwAAAAAAAOA/AAAAAAAA4D8AAAAAAADgPwAAAAAAAOA/AAAAAAAA4D8CAAAAjAAAAAAAAAAAAAAAu+DjDP///wgAAAAAAAAAAAAAAAAAAAAAAAAAAAAAAAAAAAAAZAAAAAEAAABAAAAAAAAAAAAAAAAAAAAAAAAAAAAAAAAAAAAAAAAAAAAAAAAAAAAAAAAAAAAAAAAAAAAAAAAAAAAAAAAAAAAAAAAAAAAAAAAAAAAAAAAAAAAAAAAAAAAAFAAAADwAAAAAAAAAAAAAAAAAAAkUAAAAAQAAABQAAAAUAAAAFAAAAAEAAAAAAAAAZAAAAGQAAAAAAAAAZAAAAGQAAAAVAAAAYAAAAAAAAAAAAAAADwAAACADAAAAAAAAAAAAAAEAAACgMgAAVgcAAKr4//8BAAAAf39/AAEAAABkAAAAAAAAABQAAABAHwAAAAAAACYAAAAAAAAAwOD//wAAAAAmAAAAZAAAABYAAABMAAAAAAAAAAAAAAAEAAAAAAAAAAEAAACAgIAKAAAAACgAAAAoAAAAZAAAAGQAAAAAAAAAzMzMAAAAAABQAAAAUAAAAGQAAABkAAAAAAAAABcAAAAUAAAAAAAAAAAAAAD/fwAA/38AAAAAAAAJAAAABAAAAAAAAAAMAAAAEAAAAAAAAAAAAAAAAAAAAAAAAAAeAAAAaAAAAAAAAAAAAAAAAAAAAAAAAAAAAAAAECcAABAnAAAAAAAAAAAAAAAAAAAAAAAAAAAAAAAAAAAAAAAAAAAAABQAAAAAAAAAwMD/AAAAAABkAAAAMgAAAAAAAABkAAAAAAAAAH9/fwAKAAAAHwAAAFQAAAAAAAAFAAAAAQAAAAAAAAAAAAAAAAAAAAAAAAAAAAAAAAAAAAAAAAAAAAAAAn9/fwAAAAADzMzMAMDA/wB/f38AAAAAAAAAAAAAAAAAAAAAAAAAAAAhAAAAGAAAABQAAADQAgAAsAEAANgnAACwJQAAEAAAACYAAAAIAAAAAwAAAAAAAAA="/>
               </a:ext>
             </a:extLst>
           </p:cNvSpPr>
@@ -715,7 +715,7 @@
             <a:spLocks noGrp="1" noChangeArrowheads="1"/>
             <a:extLst>
               <a:ext uri="smNativeData">
-                <pr:smNativeData xmlns:pr="smNativeData" val="SMDATA_13_B6msYxMAAAAlAAAAZAAAAA8BAAAAkAAAAEgAAACQAAAASAAAAAAAAAABAAAAAAAAAAEAAABQAAAAAAAAAAAA4D8AAAAAAADgPwAAAAAAAOA/AAAAAAAA4D8AAAAAAADgPwAAAAAAAOA/AAAAAAAA4D8AAAAAAADgPwAAAAAAAOA/AAAAAAAA4D8CAAAAjAAAAAAAAAAAAAAAu+DjDP///wgAAAAAAAAAAAAAAAAAAAAAAAAAAAAAAAAAAAAAZAAAAAEAAABAAAAAAAAAAAAAAAAAAAAAAAAAAAAAAAAAAAAAAAAAAAAAAAAAAAAAAAAAAAAAAAAAAAAAAAAAAAAAAAAAAAAAAAAAAAAAAAAAAAAAAAAAAAAAAAAAAAAAFAAAADwAAAAAAAAAAAAAAAAAAAkUAAAAAQAAABQAAAAUAAAAFAAAAAEAAAAAAAAAZAAAAGQAAAAAAAAAZAAAAGQAAAAVAAAAYAAAAAAAAAAAAAAADwAAACADAAAAAAAAAAAAAAEAAACgMgAAVgcAAKr4//8BAAAAf39/AAEAAABkAAAAAAAAABQAAABAHwAAAAAAACYAAAAAAAAAwOD//wAAAAAmAAAAZAAAABYAAABMAAAAAAAAAAAAAAAEAAAAAAAAAAEAAACAgIAKAAAAACgAAAAoAAAAZAAAAGQAAAAAAAAAzMzMAAAAAABQAAAAUAAAAGQAAABkAAAAAAAAABcAAAAUAAAAAAAAAAAAAAD/fwAA/38AAAAAAAAJAAAABAAAAAAAAAAMAAAAEAAAAAAAAAAAAAAAAAAAAAAAAAAeAAAAaAAAAAAAAAAAAAAAAAAAAAAAAAAAAAAAECcAABAnAAAAAAAAAAAAAAAAAAAAAAAAAAAAAAAAAAAAAAAAAAAAABQAAAAAAAAAwMD/AAAAAABkAAAAMgAAAAAAAABkAAAAAAAAAH9/fwAKAAAAHwAAAFQAAAAAAAAFAAAAAQAAAAAAAAAAAAAAAAAAAAAAAAAAAAAAAAAAAAAAAAAAAAAAAn9/fwAAAAADzMzMAMDA/wB/f38AAAAAAAAAAAAAAAAAAAAAAAAAAAAhAAAAGAAAABQAAADQAgAAGycAAPAPAABZKQAAEAAAACYAAAAIAAAAAAAAAAAAAAA="/>
+                <pr:smNativeData xmlns:pr="smNativeData" val="SMDATA_13_Na6sYxMAAAAlAAAAZAAAAA8BAAAAkAAAAEgAAACQAAAASAAAAAAAAAABAAAAAAAAAAEAAABQAAAAAAAAAAAA4D8AAAAAAADgPwAAAAAAAOA/AAAAAAAA4D8AAAAAAADgPwAAAAAAAOA/AAAAAAAA4D8AAAAAAADgPwAAAAAAAOA/AAAAAAAA4D8CAAAAjAAAAAAAAAAAAAAAu+DjDP///wgAAAAAAAAAAAAAAAAAAAAAAAAAAAAAAAAAAAAAZAAAAAEAAABAAAAAAAAAAAAAAAAAAAAAAAAAAAAAAAAAAAAAAAAAAAAAAAAAAAAAAAAAAAAAAAAAAAAAAAAAAAAAAAAAAAAAAAAAAAAAAAAAAAAAAAAAAAAAAAAAAAAAFAAAADwAAAAAAAAAAAAAAAAAAAkUAAAAAQAAABQAAAAUAAAAFAAAAAEAAAAAAAAAZAAAAGQAAAAAAAAAZAAAAGQAAAAVAAAAYAAAAAAAAAAAAAAADwAAACADAAAAAAAAAAAAAAEAAACgMgAAVgcAAKr4//8BAAAAf39/AAEAAABkAAAAAAAAABQAAABAHwAAAAAAACYAAAAAAAAAwOD//wAAAAAmAAAAZAAAABYAAABMAAAAAAAAAAAAAAAEAAAAAAAAAAEAAACAgIAKAAAAACgAAAAoAAAAZAAAAGQAAAAAAAAAzMzMAAAAAABQAAAAUAAAAGQAAABkAAAAAAAAABcAAAAUAAAAAAAAAAAAAAD/fwAA/38AAAAAAAAJAAAABAAAAAAAAAAMAAAAEAAAAAAAAAAAAAAAAAAAAAAAAAAeAAAAaAAAAAAAAAAAAAAAAAAAAAAAAAAAAAAAECcAABAnAAAAAAAAAAAAAAAAAAAAAAAAAAAAAAAAAAAAAAAAAAAAABQAAAAAAAAAwMD/AAAAAABkAAAAMgAAAAAAAABkAAAAAAAAAH9/fwAKAAAAHwAAAFQAAAAAAAAFAAAAAQAAAAAAAAAAAAAAAAAAAAAAAAAAAAAAAAAAAAAAAAAAAAAAAn9/fwAAAAADzMzMAMDA/wB/f38AAAAAAAAAAAAAAAAAAAAAAAAAAAAhAAAAGAAAABQAAADQAgAAGycAAPAPAABZKQAAEAAAACYAAAAIAAAAAAAAAAAAAAA="/>
               </a:ext>
             </a:extLst>
           </p:cNvSpPr>
@@ -729,7 +729,7 @@
           <a:lstStyle/>
           <a:p>
             <a:pPr/>
-            <a:fld id="{1CA1E766-28F1-F411-BF19-DE44A957498B}" type="datetime1">
+            <a:fld id="{1CB57817-59F1-E08E-BF0D-AFDB364349FA}" type="datetime1">
               <a:t/>
             </a:fld>
           </a:p>
@@ -742,7 +742,7 @@
             <a:spLocks noGrp="1" noChangeArrowheads="1"/>
             <a:extLst>
               <a:ext uri="smNativeData">
-                <pr:smNativeData xmlns:pr="smNativeData" val="SMDATA_13_B6msYxMAAAAlAAAAZAAAAA8BAAAAkAAAAEgAAACQAAAASAAAAAAAAAABAAAAAAAAAAEAAABQAAAAAAAAAAAA4D8AAAAAAADgPwAAAAAAAOA/AAAAAAAA4D8AAAAAAADgPwAAAAAAAOA/AAAAAAAA4D8AAAAAAADgPwAAAAAAAOA/AAAAAAAA4D8CAAAAjAAAAAAAAAAAAAAAu+DjDP///wgAAAAAAAAAAAAAAAAAAAAAAAAAAAAAAAAAAAAAZAAAAAEAAABAAAAAAAAAAAAAAAAAAAAAAAAAAAAAAAAAAAAAAAAAAAAAAAAAAAAAAAAAAAAAAAAAAAAAAAAAAAAAAAAAAAAAAAAAAAAAAAAAAAAAAAAAAAAAAAAAAAAAFAAAADwAAAAAAAAAAAAAAAAAAAkUAAAAAQAAABQAAAAUAAAAFAAAAAEAAAAAAAAAZAAAAGQAAAAAAAAAZAAAAGQAAAAVAAAAYAAAAAAAAAAAAAAADwAAACADAAAAAAAAAAAAAAEAAACgMgAAVgcAAKr4//8BAAAAf39/AAEAAABkAAAAAAAAABQAAABAHwAAAAAAACYAAAAAAAAAwOD//wAAAAAmAAAAZAAAABYAAABMAAAAAAAAAAAAAAAEAAAAAAAAAAEAAACAgIAKAAAAACgAAAAoAAAAZAAAAGQAAAAAAAAAzMzMAAAAAABQAAAAUAAAAGQAAABkAAAAAAAAABcAAAAUAAAAAAAAAAAAAAD/fwAA/38AAAAAAAAJAAAABAAAAAAAAAAMAAAAEAAAAAAAAAAAAAAAAAAAAAAAAAAeAAAAaAAAAAAAAAAAAAAAAAAAAAAAAAAAAAAAECcAABAnAAAAAAAAAAAAAAAAAAAAAAAAAAAAAAAAAAAAAAAAAAAAABQAAAAAAAAAwMD/AAAAAABkAAAAMgAAAAAAAABkAAAAAAAAAH9/fwAKAAAAHwAAAFQAAAAAAAAFAAAAAQAAAAAAAAAAAAAAAAAAAAAAAAAAAAAAAAAAAAAAAAAAAAAAAn9/fwAAAAADzMzMAMDA/wB/f38AAAAAAAAAAAAAAAAAAAAAAAAAAAAhAAAAGAAAABQAAAA4EwAAGycAAAglAABZKQAAEAAAACYAAAAIAAAAAAAAAAAAAAA="/>
+                <pr:smNativeData xmlns:pr="smNativeData" val="SMDATA_13_Na6sYxMAAAAlAAAAZAAAAA8BAAAAkAAAAEgAAACQAAAASAAAAAAAAAABAAAAAAAAAAEAAABQAAAAAAAAAAAA4D8AAAAAAADgPwAAAAAAAOA/AAAAAAAA4D8AAAAAAADgPwAAAAAAAOA/AAAAAAAA4D8AAAAAAADgPwAAAAAAAOA/AAAAAAAA4D8CAAAAjAAAAAAAAAAAAAAAu+DjDP///wgAAAAAAAAAAAAAAAAAAAAAAAAAAAAAAAAAAAAAZAAAAAEAAABAAAAAAAAAAAAAAAAAAAAAAAAAAAAAAAAAAAAAAAAAAAAAAAAAAAAAAAAAAAAAAAAAAAAAAAAAAAAAAAAAAAAAAAAAAAAAAAAAAAAAAAAAAAAAAAAAAAAAFAAAADwAAAAAAAAAAAAAAAAAAAkUAAAAAQAAABQAAAAUAAAAFAAAAAEAAAAAAAAAZAAAAGQAAAAAAAAAZAAAAGQAAAAVAAAAYAAAAAAAAAAAAAAADwAAACADAAAAAAAAAAAAAAEAAACgMgAAVgcAAKr4//8BAAAAf39/AAEAAABkAAAAAAAAABQAAABAHwAAAAAAACYAAAAAAAAAwOD//wAAAAAmAAAAZAAAABYAAABMAAAAAAAAAAAAAAAEAAAAAAAAAAEAAACAgIAKAAAAACgAAAAoAAAAZAAAAGQAAAAAAAAAzMzMAAAAAABQAAAAUAAAAGQAAABkAAAAAAAAABcAAAAUAAAAAAAAAAAAAAD/fwAA/38AAAAAAAAJAAAABAAAAAAAAAAMAAAAEAAAAAAAAAAAAAAAAAAAAAAAAAAeAAAAaAAAAAAAAAAAAAAAAAAAAAAAAAAAAAAAECcAABAnAAAAAAAAAAAAAAAAAAAAAAAAAAAAAAAAAAAAAAAAAAAAABQAAAAAAAAAwMD/AAAAAABkAAAAMgAAAAAAAABkAAAAAAAAAH9/fwAKAAAAHwAAAFQAAAAAAAAFAAAAAQAAAAAAAAAAAAAAAAAAAAAAAAAAAAAAAAAAAAAAAAAAAAAAAn9/fwAAAAADzMzMAMDA/wB/f38AAAAAAAAAAAAAAAAAAAAAAAAAAAAhAAAAGAAAABQAAAA4EwAAGycAAAglAABZKQAAEAAAACYAAAAIAAAAAAAAAAAAAAA="/>
               </a:ext>
             </a:extLst>
           </p:cNvSpPr>
@@ -766,7 +766,7 @@
             <a:spLocks noGrp="1" noChangeArrowheads="1"/>
             <a:extLst>
               <a:ext uri="smNativeData">
-                <pr:smNativeData xmlns:pr="smNativeData" val="SMDATA_13_B6msYxMAAAAlAAAAZAAAAA8BAAAAkAAAAEgAAACQAAAASAAAAAAAAAABAAAAAAAAAAEAAABQAAAAAAAAAAAA4D8AAAAAAADgPwAAAAAAAOA/AAAAAAAA4D8AAAAAAADgPwAAAAAAAOA/AAAAAAAA4D8AAAAAAADgPwAAAAAAAOA/AAAAAAAA4D8CAAAAjAAAAAAAAAAAAAAAu+DjDP///wgAAAAAAAAAAAAAAAAAAAAAAAAAAAAAAAAAAAAAZAAAAAEAAABAAAAAAAAAAAAAAAAAAAAAAAAAAAAAAAAAAAAAAAAAAAAAAAAAAAAAAAAAAAAAAAAAAAAAAAAAAAAAAAAAAAAAAAAAAAAAAAAAAAAAAAAAAAAAAAAAAAAAFAAAADwAAAAAAAAAAAAAAAAAAAkUAAAAAQAAABQAAAAUAAAAFAAAAAEAAAAAAAAAZAAAAGQAAAAAAAAAZAAAAGQAAAAVAAAAYAAAAAAAAAAAAAAADwAAACADAAAAAAAAAAAAAAEAAACgMgAAVgcAAKr4//8BAAAAf39/AAEAAABkAAAAAAAAABQAAABAHwAAAAAAACYAAAAAAAAAwOD//wAAAAAmAAAAZAAAABYAAABMAAAAAAAAAAAAAAAEAAAAAAAAAAEAAACAgIAKAAAAACgAAAAoAAAAZAAAAGQAAAAAAAAAzMzMAAAAAABQAAAAUAAAAGQAAABkAAAAAAAAABcAAAAUAAAAAAAAAAAAAAD/fwAA/38AAAAAAAAJAAAABAAAAAAAAAAMAAAAEAAAAAAAAAAAAAAAAAAAAAAAAAAeAAAAaAAAAAAAAAAAAAAAAAAAAAAAAAAAAAAAECcAABAnAAAAAAAAAAAAAAAAAAAAAAAAAAAAAAAAAAAAAAAAAAAAABQAAAAAAAAAwMD/AAAAAABkAAAAMgAAAAAAAABkAAAAAAAAAH9/fwAKAAAAHwAAAFQAAAAAAAAFAAAAAQAAAAAAAAAAAAAAAAAAAAAAAAAAAAAAAAAAAAAAAAAAAAAAAn9/fwAAAAADzMzMAMDA/wB/f38AAAAAAAAAAAAAAAAAAAAAAAAAAAAhAAAAGAAAABQAAABQKAAAGycAAHA1AABZKQAAEAAAACYAAAAIAAAAAAAAAAAAAAA="/>
+                <pr:smNativeData xmlns:pr="smNativeData" val="SMDATA_13_Na6sYxMAAAAlAAAAZAAAAA8BAAAAkAAAAEgAAACQAAAASAAAAAAAAAABAAAAAAAAAAEAAABQAAAAAAAAAAAA4D8AAAAAAADgPwAAAAAAAOA/AAAAAAAA4D8AAAAAAADgPwAAAAAAAOA/AAAAAAAA4D8AAAAAAADgPwAAAAAAAOA/AAAAAAAA4D8CAAAAjAAAAAAAAAAAAAAAu+DjDP///wgAAAAAAAAAAAAAAAAAAAAAAAAAAAAAAAAAAAAAZAAAAAEAAABAAAAAAAAAAAAAAAAAAAAAAAAAAAAAAAAAAAAAAAAAAAAAAAAAAAAAAAAAAAAAAAAAAAAAAAAAAAAAAAAAAAAAAAAAAAAAAAAAAAAAAAAAAAAAAAAAAAAAFAAAADwAAAAAAAAAAAAAAAAAAAkUAAAAAQAAABQAAAAUAAAAFAAAAAEAAAAAAAAAZAAAAGQAAAAAAAAAZAAAAGQAAAAVAAAAYAAAAAAAAAAAAAAADwAAACADAAAAAAAAAAAAAAEAAACgMgAAVgcAAKr4//8BAAAAf39/AAEAAABkAAAAAAAAABQAAABAHwAAAAAAACYAAAAAAAAAwOD//wAAAAAmAAAAZAAAABYAAABMAAAAAAAAAAAAAAAEAAAAAAAAAAEAAACAgIAKAAAAACgAAAAoAAAAZAAAAGQAAAAAAAAAzMzMAAAAAABQAAAAUAAAAGQAAABkAAAAAAAAABcAAAAUAAAAAAAAAAAAAAD/fwAA/38AAAAAAAAJAAAABAAAAAAAAAAMAAAAEAAAAAAAAAAAAAAAAAAAAAAAAAAeAAAAaAAAAAAAAAAAAAAAAAAAAAAAAAAAAAAAECcAABAnAAAAAAAAAAAAAAAAAAAAAAAAAAAAAAAAAAAAAAAAAAAAABQAAAAAAAAAwMD/AAAAAABkAAAAMgAAAAAAAABkAAAAAAAAAH9/fwAKAAAAHwAAAFQAAAAAAAAFAAAAAQAAAAAAAAAAAAAAAAAAAAAAAAAAAAAAAAAAAAAAAAAAAAAAAn9/fwAAAAADzMzMAMDA/wB/f38AAAAAAAAAAAAAAAAAAAAAAAAAAAAhAAAAGAAAABQAAABQKAAAGycAAHA1AABZKQAAEAAAACYAAAAIAAAAAAAAAAAAAAA="/>
               </a:ext>
             </a:extLst>
           </p:cNvSpPr>
@@ -780,7 +780,7 @@
           <a:lstStyle/>
           <a:p>
             <a:pPr/>
-            <a:fld id="{1CA1BFE0-AEF1-F449-BF19-581CF157490D}" type="slidenum">
+            <a:fld id="{1CB5507F-31F1-E0A6-BF0D-C7F31E434992}" type="slidenum">
               <a:t/>
             </a:fld>
           </a:p>
@@ -818,7 +818,7 @@
             <a:spLocks noGrp="1" noChangeArrowheads="1"/>
             <a:extLst>
               <a:ext uri="smNativeData">
-                <pr:smNativeData xmlns:pr="smNativeData" val="SMDATA_13_B6msYxMAAAAlAAAAZAAAAA8BAAAAkAAAAEgAAACQAAAASAAAAAAAAAABAAAAAAAAAAEAAABQAAAAAAAAAAAA4D8AAAAAAADgPwAAAAAAAOA/AAAAAAAA4D8AAAAAAADgPwAAAAAAAOA/AAAAAAAA4D8AAAAAAADgPwAAAAAAAOA/AAAAAAAA4D8CAAAAjAAAAAAAAAAAAAAAu+DjDP///wgAAAAAAAAAAAAAAAAAAAAAAAAAAAAAAAAAAAAAZAAAAAEAAABAAAAAAAAAAAAAAAAAAAAAAAAAAAAAAAAAAAAAAAAAAAAAAAAAAAAAAAAAAAAAAAAAAAAAAAAAAAAAAAAAAAAAAAAAAAAAAAAAAAAAAAAAAAAAAAAAAAAAFAAAADwAAAAAAAAAAAAAAAAAAAkUAAAAAQAAABQAAAAUAAAAFAAAAAEAAAAAAAAAZAAAAGQAAAAAAAAAZAAAAGQAAAAVAAAAYAAAAAAAAAAAAAAADwAAACADAAAAAAAAAAAAAAEAAACgMgAAVgcAAKr4//8BAAAAf39/AAEAAABkAAAAAAAAABQAAABAHwAAAAAAACYAAAAAAAAAwOD//wAAAAAmAAAAZAAAABYAAABMAAAAAAAAAAAAAAAEAAAAAAAAAAEAAACAgIAKAAAAACgAAAAoAAAAZAAAAGQAAAAAAAAAzMzMAAAAAABQAAAAUAAAAGQAAABkAAAAAAAAABcAAAAUAAAAAAAAAAAAAAD/fwAA/38AAAAAAAAJAAAABAAAAE4AbwAMAAAAEAAAAAAAAAAAAAAAAAAAAAAAAAAeAAAAaAAAAAAAAAAAAAAAAAAAAAAAAAAAAAAAECcAABAnAAAAAAAAAAAAAAAAAAAAAAAAAAAAAAAAAAAAAAAAAAAAABQAAAAAAAAAwMD/AAAAAABkAAAAMgAAAAAAAABkAAAAAAAAAH9/fwAKAAAAHwAAAFQAAAAAAAAFAAAAAQAAAAAAAAAAAAAAAAAAAAAAAAAAAAAAAAAAAAAAAAAAAAAAAn9/fwAAAAADzMzMAMDA/wB/f38AAAAAAAAAAAAAAAAAAAAAAAAAAAAhAAAAGAAAABQAAADQAgAAsAEAAHA1AAC4CAAAEAAAACYAAAAIAAAAAAAAAAAAAAA="/>
+                <pr:smNativeData xmlns:pr="smNativeData" val="SMDATA_13_Na6sYxMAAAAlAAAAZAAAAA8BAAAAkAAAAEgAAACQAAAASAAAAAAAAAABAAAAAAAAAAEAAABQAAAAAAAAAAAA4D8AAAAAAADgPwAAAAAAAOA/AAAAAAAA4D8AAAAAAADgPwAAAAAAAOA/AAAAAAAA4D8AAAAAAADgPwAAAAAAAOA/AAAAAAAA4D8CAAAAjAAAAAAAAAAAAAAAu+DjDP///wgAAAAAAAAAAAAAAAAAAAAAAAAAAAAAAAAAAAAAZAAAAAEAAABAAAAAAAAAAAAAAAAAAAAAAAAAAAAAAAAAAAAAAAAAAAAAAAAAAAAAAAAAAAAAAAAAAAAAAAAAAAAAAAAAAAAAAAAAAAAAAAAAAAAAAAAAAAAAAAAAAAAAFAAAADwAAAAAAAAAAAAAAAAAAAkUAAAAAQAAABQAAAAUAAAAFAAAAAEAAAAAAAAAZAAAAGQAAAAAAAAAZAAAAGQAAAAVAAAAYAAAAAAAAAAAAAAADwAAACADAAAAAAAAAAAAAAEAAACgMgAAVgcAAKr4//8BAAAAf39/AAEAAABkAAAAAAAAABQAAABAHwAAAAAAACYAAAAAAAAAwOD//wAAAAAmAAAAZAAAABYAAABMAAAAAAAAAAAAAAAEAAAAAAAAAAEAAACAgIAKAAAAACgAAAAoAAAAZAAAAGQAAAAAAAAAzMzMAAAAAABQAAAAUAAAAGQAAABkAAAAAAAAABcAAAAUAAAAAAAAAAAAAAD/fwAA/38AAAAAAAAJAAAABAAAAE4AbwAMAAAAEAAAAAAAAAAAAAAAAAAAAAAAAAAeAAAAaAAAAAAAAAAAAAAAAAAAAAAAAAAAAAAAECcAABAnAAAAAAAAAAAAAAAAAAAAAAAAAAAAAAAAAAAAAAAAAAAAABQAAAAAAAAAwMD/AAAAAABkAAAAMgAAAAAAAABkAAAAAAAAAH9/fwAKAAAAHwAAAFQAAAAAAAAFAAAAAQAAAAAAAAAAAAAAAAAAAAAAAAAAAAAAAAAAAAAAAAAAAAAAAn9/fwAAAAADzMzMAMDA/wB/f38AAAAAAAAAAAAAAAAAAAAAAAAAAAAhAAAAGAAAABQAAADQAgAAsAEAAHA1AAC4CAAAEAAAACYAAAAIAAAAAAAAAAAAAAA="/>
               </a:ext>
             </a:extLst>
           </p:cNvSpPr>
@@ -845,7 +845,7 @@
             <a:spLocks noGrp="1" noChangeArrowheads="1"/>
             <a:extLst>
               <a:ext uri="smNativeData">
-                <pr:smNativeData xmlns:pr="smNativeData" val="SMDATA_13_B6msYxMAAAAlAAAAZAAAAA8BAAAAkAAAAEgAAACQAAAASAAAAAAAAAAAAAAAAAAAAAEAAABQAAAAAAAAAAAA4D8AAAAAAADgPwAAAAAAAOA/AAAAAAAA4D8AAAAAAADgPwAAAAAAAOA/AAAAAAAA4D8AAAAAAADgPwAAAAAAAOA/AAAAAAAA4D8CAAAAjAAAAAAAAAAAAAAAu+DjDP///wgAAAAAAAAAAAAAAAAAAAAAAAAAAAAAAAAAAAAAZAAAAAEAAABAAAAAAAAAAAAAAAAAAAAAAAAAAAAAAAAAAAAAAAAAAAAAAAAAAAAAAAAAAAAAAAAAAAAAAAAAAAAAAAAAAAAAAAAAAAAAAAAAAAAAAAAAAAAAAAAAAAAAFAAAADwAAAAAAAAAAAAAAAAAAAkUAAAAAQAAABQAAAAUAAAAFAAAAAEAAAAAAAAAZAAAAGQAAAAAAAAAZAAAAGQAAAAVAAAAYAAAAAAAAAAAAAAADwAAACADAAAAAAAAAAAAAAEAAACgMgAAVgcAAKr4//8BAAAAf39/AAEAAABkAAAAAAAAABQAAABAHwAAAAAAACYAAAAAAAAAwOD//wAAAAAmAAAAZAAAABYAAABMAAAAAAAAAAAAAAAEAAAAAAAAAAEAAACAgIAKAAAAACgAAAAoAAAAZAAAAGQAAAAAAAAAzMzMAAAAAABQAAAAUAAAAGQAAABkAAAAAAAAABcAAAAUAAAAAAAAAAAAAAD/fwAA/38AAAAAAAAJAAAABAAAAAAAAAAMAAAAEAAAAAAAAAAAAAAAAAAAAAAAAAAeAAAAaAAAAAAAAAAAAAAAAAAAAAAAAAAAAAAAECcAABAnAAAAAAAAAAAAAAAAAAAAAAAAAAAAAAAAAAAAAAAAAAAAABQAAAAAAAAAwMD/AAAAAABkAAAAMgAAAAAAAABkAAAAAAAAAH9/fwAKAAAAHwAAAFQAAAAAAAAFAAAAAQAAAAAAAAAAAAAAAAAAAAAAAAAAAAAAAAAAAAAAAAAAAAAAAn9/fwAAAAADzMzMAMDA/wB/f38AAAAAAAAAAAAAAAAAAAAAAAAAAAAhAAAAGAAAABQAAADQAgAA2AkAAHA1AACwJQAAEAAAACYAAAAIAAAAAAAAAAAAAAA="/>
+                <pr:smNativeData xmlns:pr="smNativeData" val="SMDATA_13_Na6sYxMAAAAlAAAAZAAAAA8BAAAAkAAAAEgAAACQAAAASAAAAAAAAAAAAAAAAAAAAAEAAABQAAAAAAAAAAAA4D8AAAAAAADgPwAAAAAAAOA/AAAAAAAA4D8AAAAAAADgPwAAAAAAAOA/AAAAAAAA4D8AAAAAAADgPwAAAAAAAOA/AAAAAAAA4D8CAAAAjAAAAAAAAAAAAAAAu+DjDP///wgAAAAAAAAAAAAAAAAAAAAAAAAAAAAAAAAAAAAAZAAAAAEAAABAAAAAAAAAAAAAAAAAAAAAAAAAAAAAAAAAAAAAAAAAAAAAAAAAAAAAAAAAAAAAAAAAAAAAAAAAAAAAAAAAAAAAAAAAAAAAAAAAAAAAAAAAAAAAAAAAAAAAFAAAADwAAAAAAAAAAAAAAAAAAAkUAAAAAQAAABQAAAAUAAAAFAAAAAEAAAAAAAAAZAAAAGQAAAAAAAAAZAAAAGQAAAAVAAAAYAAAAAAAAAAAAAAADwAAACADAAAAAAAAAAAAAAEAAACgMgAAVgcAAKr4//8BAAAAf39/AAEAAABkAAAAAAAAABQAAABAHwAAAAAAACYAAAAAAAAAwOD//wAAAAAmAAAAZAAAABYAAABMAAAAAAAAAAAAAAAEAAAAAAAAAAEAAACAgIAKAAAAACgAAAAoAAAAZAAAAGQAAAAAAAAAzMzMAAAAAABQAAAAUAAAAGQAAABkAAAAAAAAABcAAAAUAAAAAAAAAAAAAAD/fwAA/38AAAAAAAAJAAAABAAAAAAAAAAMAAAAEAAAAAAAAAAAAAAAAAAAAAAAAAAeAAAAaAAAAAAAAAAAAAAAAAAAAAAAAAAAAAAAECcAABAnAAAAAAAAAAAAAAAAAAAAAAAAAAAAAAAAAAAAAAAAAAAAABQAAAAAAAAAwMD/AAAAAABkAAAAMgAAAAAAAABkAAAAAAAAAH9/fwAKAAAAHwAAAFQAAAAAAAAFAAAAAQAAAAAAAAAAAAAAAAAAAAAAAAAAAAAAAAAAAAAAAAAAAAAAAn9/fwAAAAADzMzMAMDA/wB/f38AAAAAAAAAAAAAAAAAAAAAAAAAAAAhAAAAGAAAABQAAADQAgAA2AkAAHA1AACwJQAAEAAAACYAAAAIAAAAAAAAAAAAAAA="/>
               </a:ext>
             </a:extLst>
           </p:cNvSpPr>
@@ -896,7 +896,7 @@
             <a:spLocks noGrp="1" noChangeArrowheads="1"/>
             <a:extLst>
               <a:ext uri="smNativeData">
-                <pr:smNativeData xmlns:pr="smNativeData" val="SMDATA_13_B6msYxMAAAAlAAAAZAAAAA8BAAAAkAAAAEgAAACQAAAASAAAAAAAAAABAAAAAAAAAAEAAABQAAAAAAAAAAAA4D8AAAAAAADgPwAAAAAAAOA/AAAAAAAA4D8AAAAAAADgPwAAAAAAAOA/AAAAAAAA4D8AAAAAAADgPwAAAAAAAOA/AAAAAAAA4D8CAAAAjAAAAAAAAAAAAAAAu+DjDP///wgAAAAAAAAAAAAAAAAAAAAAAAAAAAAAAAAAAAAAZAAAAAEAAABAAAAAAAAAAAAAAAAAAAAAAAAAAAAAAAAAAAAAAAAAAAAAAAAAAAAAAAAAAAAAAAAAAAAAAAAAAAAAAAAAAAAAAAAAAAAAAAAAAAAAAAAAAAAAAAAAAAAAFAAAADwAAAAAAAAAAAAAAAAAAAkUAAAAAQAAABQAAAAUAAAAFAAAAAEAAAAAAAAAZAAAAGQAAAAAAAAAZAAAAGQAAAAVAAAAYAAAAAAAAAAAAAAADwAAACADAAAAAAAAAAAAAAEAAACgMgAAVgcAAKr4//8BAAAAf39/AAEAAABkAAAAAAAAABQAAABAHwAAAAAAACYAAAAAAAAAwOD//wAAAAAmAAAAZAAAABYAAABMAAAAAAAAAAAAAAAEAAAAAAAAAAEAAACAgIAKAAAAACgAAAAoAAAAZAAAAGQAAAAAAAAAzMzMAAAAAABQAAAAUAAAAGQAAABkAAAAAAAAABcAAAAUAAAAAAAAAAAAAAD/fwAA/38AAAAAAAAJAAAABAAAAFwAQwAMAAAAEAAAAAAAAAAAAAAAAAAAAAAAAAAeAAAAaAAAAAAAAAAAAAAAAAAAAAAAAAAAAAAAECcAABAnAAAAAAAAAAAAAAAAAAAAAAAAAAAAAAAAAAAAAAAAAAAAABQAAAAAAAAAwMD/AAAAAABkAAAAMgAAAAAAAABkAAAAAAAAAH9/fwAKAAAAHwAAAFQAAAAAAAAFAAAAAQAAAAAAAAAAAAAAAAAAAAAAAAAAAAAAAAAAAAAAAAAAAAAAAn9/fwAAAAADzMzMAMDA/wB/f38AAAAAAAAAAAAAAAAAAAAAAAAAAAAhAAAAGAAAABQAAADQAgAAGycAAPAPAABZKQAAEAAAACYAAAAIAAAAAAAAAAAAAAA="/>
+                <pr:smNativeData xmlns:pr="smNativeData" val="SMDATA_13_Na6sYxMAAAAlAAAAZAAAAA8BAAAAkAAAAEgAAACQAAAASAAAAAAAAAABAAAAAAAAAAEAAABQAAAAAAAAAAAA4D8AAAAAAADgPwAAAAAAAOA/AAAAAAAA4D8AAAAAAADgPwAAAAAAAOA/AAAAAAAA4D8AAAAAAADgPwAAAAAAAOA/AAAAAAAA4D8CAAAAjAAAAAAAAAAAAAAAu+DjDP///wgAAAAAAAAAAAAAAAAAAAAAAAAAAAAAAAAAAAAAZAAAAAEAAABAAAAAAAAAAAAAAAAAAAAAAAAAAAAAAAAAAAAAAAAAAAAAAAAAAAAAAAAAAAAAAAAAAAAAAAAAAAAAAAAAAAAAAAAAAAAAAAAAAAAAAAAAAAAAAAAAAAAAFAAAADwAAAAAAAAAAAAAAAAAAAkUAAAAAQAAABQAAAAUAAAAFAAAAAEAAAAAAAAAZAAAAGQAAAAAAAAAZAAAAGQAAAAVAAAAYAAAAAAAAAAAAAAADwAAACADAAAAAAAAAAAAAAEAAACgMgAAVgcAAKr4//8BAAAAf39/AAEAAABkAAAAAAAAABQAAABAHwAAAAAAACYAAAAAAAAAwOD//wAAAAAmAAAAZAAAABYAAABMAAAAAAAAAAAAAAAEAAAAAAAAAAEAAACAgIAKAAAAACgAAAAoAAAAZAAAAGQAAAAAAAAAzMzMAAAAAABQAAAAUAAAAGQAAABkAAAAAAAAABcAAAAUAAAAAAAAAAAAAAD/fwAA/38AAAAAAAAJAAAABAAAAFwAQwAMAAAAEAAAAAAAAAAAAAAAAAAAAAAAAAAeAAAAaAAAAAAAAAAAAAAAAAAAAAAAAAAAAAAAECcAABAnAAAAAAAAAAAAAAAAAAAAAAAAAAAAAAAAAAAAAAAAAAAAABQAAAAAAAAAwMD/AAAAAABkAAAAMgAAAAAAAABkAAAAAAAAAH9/fwAKAAAAHwAAAFQAAAAAAAAFAAAAAQAAAAAAAAAAAAAAAAAAAAAAAAAAAAAAAAAAAAAAAAAAAAAAAn9/fwAAAAADzMzMAMDA/wB/f38AAAAAAAAAAAAAAAAAAAAAAAAAAAAhAAAAGAAAABQAAADQAgAAGycAAPAPAABZKQAAEAAAACYAAAAIAAAAAAAAAAAAAAA="/>
               </a:ext>
             </a:extLst>
           </p:cNvSpPr>
@@ -910,7 +910,7 @@
           <a:lstStyle/>
           <a:p>
             <a:pPr/>
-            <a:fld id="{1CA1EC7A-34F1-F41A-BF19-C24FA2574997}" type="datetime1">
+            <a:fld id="{1CB530BA-F4F1-E0C6-BF0D-02937E434957}" type="datetime1">
               <a:t/>
             </a:fld>
           </a:p>
@@ -923,7 +923,7 @@
             <a:spLocks noGrp="1" noChangeArrowheads="1"/>
             <a:extLst>
               <a:ext uri="smNativeData">
-                <pr:smNativeData xmlns:pr="smNativeData" val="SMDATA_13_B6msYxMAAAAlAAAAZAAAAA8BAAAAkAAAAEgAAACQAAAASAAAAAAAAAABAAAAAAAAAAEAAABQAAAAAAAAAAAA4D8AAAAAAADgPwAAAAAAAOA/AAAAAAAA4D8AAAAAAADgPwAAAAAAAOA/AAAAAAAA4D8AAAAAAADgPwAAAAAAAOA/AAAAAAAA4D8CAAAAjAAAAAAAAAAAAAAAu+DjDP///wgAAAAAAAAAAAAAAAAAAAAAAAAAAAAAAAAAAAAAZAAAAAEAAABAAAAAAAAAAAAAAAAAAAAAAAAAAAAAAAAAAAAAAAAAAAAAAAAAAAAAAAAAAAAAAAAAAAAAAAAAAAAAAAAAAAAAAAAAAAAAAAAAAAAAAAAAAAAAAAAAAAAAFAAAADwAAAAAAAAAAAAAAAAAAAkUAAAAAQAAABQAAAAUAAAAFAAAAAEAAAAAAAAAZAAAAGQAAAAAAAAAZAAAAGQAAAAVAAAAYAAAAAAAAAAAAAAADwAAACADAAAAAAAAAAAAAAEAAACgMgAAVgcAAKr4//8BAAAAf39/AAEAAABkAAAAAAAAABQAAABAHwAAAAAAACYAAAAAAAAAwOD//wAAAAAmAAAAZAAAABYAAABMAAAAAAAAAAAAAAAEAAAAAAAAAAEAAACAgIAKAAAAACgAAAAoAAAAZAAAAGQAAAAAAAAAzMzMAAAAAABQAAAAUAAAAGQAAABkAAAAAAAAABcAAAAUAAAAAAAAAAAAAAD/fwAA/38AAAAAAAAJAAAABAAAAElJSf8MAAAAEAAAAAAAAAAAAAAAAAAAAAAAAAAeAAAAaAAAAAAAAAAAAAAAAAAAAAAAAAAAAAAAECcAABAnAAAAAAAAAAAAAAAAAAAAAAAAAAAAAAAAAAAAAAAAAAAAABQAAAAAAAAAwMD/AAAAAABkAAAAMgAAAAAAAABkAAAAAAAAAH9/fwAKAAAAHwAAAFQAAAAAAAAFAAAAAQAAAAAAAAAAAAAAAAAAAAAAAAAAAAAAAAAAAAAAAAAAAAAAAn9/fwAAAAADzMzMAMDA/wB/f38AAAAAAAAAAAAAAAAAAAAAAAAAAAAhAAAAGAAAABQAAAA4EwAAGycAAAglAABZKQAAEAAAACYAAAAIAAAAAAAAAAAAAAA="/>
+                <pr:smNativeData xmlns:pr="smNativeData" val="SMDATA_13_Na6sYxMAAAAlAAAAZAAAAA8BAAAAkAAAAEgAAACQAAAASAAAAAAAAAABAAAAAAAAAAEAAABQAAAAAAAAAAAA4D8AAAAAAADgPwAAAAAAAOA/AAAAAAAA4D8AAAAAAADgPwAAAAAAAOA/AAAAAAAA4D8AAAAAAADgPwAAAAAAAOA/AAAAAAAA4D8CAAAAjAAAAAAAAAAAAAAAu+DjDP///wgAAAAAAAAAAAAAAAAAAAAAAAAAAAAAAAAAAAAAZAAAAAEAAABAAAAAAAAAAAAAAAAAAAAAAAAAAAAAAAAAAAAAAAAAAAAAAAAAAAAAAAAAAAAAAAAAAAAAAAAAAAAAAAAAAAAAAAAAAAAAAAAAAAAAAAAAAAAAAAAAAAAAFAAAADwAAAAAAAAAAAAAAAAAAAkUAAAAAQAAABQAAAAUAAAAFAAAAAEAAAAAAAAAZAAAAGQAAAAAAAAAZAAAAGQAAAAVAAAAYAAAAAAAAAAAAAAADwAAACADAAAAAAAAAAAAAAEAAACgMgAAVgcAAKr4//8BAAAAf39/AAEAAABkAAAAAAAAABQAAABAHwAAAAAAACYAAAAAAAAAwOD//wAAAAAmAAAAZAAAABYAAABMAAAAAAAAAAAAAAAEAAAAAAAAAAEAAACAgIAKAAAAACgAAAAoAAAAZAAAAGQAAAAAAAAAzMzMAAAAAABQAAAAUAAAAGQAAABkAAAAAAAAABcAAAAUAAAAAAAAAAAAAAD/fwAA/38AAAAAAAAJAAAABAAAAElJSf8MAAAAEAAAAAAAAAAAAAAAAAAAAAAAAAAeAAAAaAAAAAAAAAAAAAAAAAAAAAAAAAAAAAAAECcAABAnAAAAAAAAAAAAAAAAAAAAAAAAAAAAAAAAAAAAAAAAAAAAABQAAAAAAAAAwMD/AAAAAABkAAAAMgAAAAAAAABkAAAAAAAAAH9/fwAKAAAAHwAAAFQAAAAAAAAFAAAAAQAAAAAAAAAAAAAAAAAAAAAAAAAAAAAAAAAAAAAAAAAAAAAAAn9/fwAAAAADzMzMAMDA/wB/f38AAAAAAAAAAAAAAAAAAAAAAAAAAAAhAAAAGAAAABQAAAA4EwAAGycAAAglAABZKQAAEAAAACYAAAAIAAAAAAAAAAAAAAA="/>
               </a:ext>
             </a:extLst>
           </p:cNvSpPr>
@@ -947,7 +947,7 @@
             <a:spLocks noGrp="1" noChangeArrowheads="1"/>
             <a:extLst>
               <a:ext uri="smNativeData">
-                <pr:smNativeData xmlns:pr="smNativeData" val="SMDATA_13_B6msYxMAAAAlAAAAZAAAAA8BAAAAkAAAAEgAAACQAAAASAAAAAAAAAABAAAAAAAAAAEAAABQAAAAAAAAAAAA4D8AAAAAAADgPwAAAAAAAOA/AAAAAAAA4D8AAAAAAADgPwAAAAAAAOA/AAAAAAAA4D8AAAAAAADgPwAAAAAAAOA/AAAAAAAA4D8CAAAAjAAAAAAAAAAAAAAAu+DjDP///wgAAAAAAAAAAAAAAAAAAAAAAAAAAAAAAAAAAAAAZAAAAAEAAABAAAAAAAAAAAAAAAAAAAAAAAAAAAAAAAAAAAAAAAAAAAAAAAAAAAAAAAAAAAAAAAAAAAAAAAAAAAAAAAAAAAAAAAAAAAAAAAAAAAAAAAAAAAAAAAAAAAAAFAAAADwAAAAAAAAAAAAAAAAAAAkUAAAAAQAAABQAAAAUAAAAFAAAAAEAAAAAAAAAZAAAAGQAAAAAAAAAZAAAAGQAAAAVAAAAYAAAAAAAAAAAAAAADwAAACADAAAAAAAAAAAAAAEAAACgMgAAVgcAAKr4//8BAAAAf39/AAEAAABkAAAAAAAAABQAAABAHwAAAAAAACYAAAAAAAAAwOD//wAAAAAmAAAAZAAAABYAAABMAAAAAAAAAAAAAAAEAAAAAAAAAAEAAACAgIAKAAAAACgAAAAoAAAAZAAAAGQAAAAAAAAAzMzMAAAAAABQAAAAUAAAAGQAAABkAAAAAAAAABcAAAAUAAAAAAAAAAAAAAD/fwAA/38AAAAAAAAJAAAABAAAAAAAAAAMAAAAEAAAAAAAAAAAAAAAAAAAAAAAAAAeAAAAaAAAAAAAAAAAAAAAAAAAAAAAAAAAAAAAECcAABAnAAAAAAAAAAAAAAAAAAAAAAAAAAAAAAAAAAAAAAAAAAAAABQAAAAAAAAAwMD/AAAAAABkAAAAMgAAAAAAAABkAAAAAAAAAH9/fwAKAAAAHwAAAFQAAAAAAAAFAAAAAQAAAAAAAAAAAAAAAAAAAAAAAAAAAAAAAAAAAAAAAAAAAAAAAn9/fwAAAAADzMzMAMDA/wB/f38AAAAAAAAAAAAAAAAAAAAAAAAAAAAhAAAAGAAAABQAAABQKAAAGycAAHA1AABZKQAAEAAAACYAAAAIAAAAAAAAAAAAAAA="/>
+                <pr:smNativeData xmlns:pr="smNativeData" val="SMDATA_13_Na6sYxMAAAAlAAAAZAAAAA8BAAAAkAAAAEgAAACQAAAASAAAAAAAAAABAAAAAAAAAAEAAABQAAAAAAAAAAAA4D8AAAAAAADgPwAAAAAAAOA/AAAAAAAA4D8AAAAAAADgPwAAAAAAAOA/AAAAAAAA4D8AAAAAAADgPwAAAAAAAOA/AAAAAAAA4D8CAAAAjAAAAAAAAAAAAAAAu+DjDP///wgAAAAAAAAAAAAAAAAAAAAAAAAAAAAAAAAAAAAAZAAAAAEAAABAAAAAAAAAAAAAAAAAAAAAAAAAAAAAAAAAAAAAAAAAAAAAAAAAAAAAAAAAAAAAAAAAAAAAAAAAAAAAAAAAAAAAAAAAAAAAAAAAAAAAAAAAAAAAAAAAAAAAFAAAADwAAAAAAAAAAAAAAAAAAAkUAAAAAQAAABQAAAAUAAAAFAAAAAEAAAAAAAAAZAAAAGQAAAAAAAAAZAAAAGQAAAAVAAAAYAAAAAAAAAAAAAAADwAAACADAAAAAAAAAAAAAAEAAACgMgAAVgcAAKr4//8BAAAAf39/AAEAAABkAAAAAAAAABQAAABAHwAAAAAAACYAAAAAAAAAwOD//wAAAAAmAAAAZAAAABYAAABMAAAAAAAAAAAAAAAEAAAAAAAAAAEAAACAgIAKAAAAACgAAAAoAAAAZAAAAGQAAAAAAAAAzMzMAAAAAABQAAAAUAAAAGQAAABkAAAAAAAAABcAAAAUAAAAAAAAAAAAAAD/fwAA/38AAAAAAAAJAAAABAAAAAAAAAAMAAAAEAAAAAAAAAAAAAAAAAAAAAAAAAAeAAAAaAAAAAAAAAAAAAAAAAAAAAAAAAAAAAAAECcAABAnAAAAAAAAAAAAAAAAAAAAAAAAAAAAAAAAAAAAAAAAAAAAABQAAAAAAAAAwMD/AAAAAABkAAAAMgAAAAAAAABkAAAAAAAAAH9/fwAKAAAAHwAAAFQAAAAAAAAFAAAAAQAAAAAAAAAAAAAAAAAAAAAAAAAAAAAAAAAAAAAAAAAAAAAAAn9/fwAAAAADzMzMAMDA/wB/f38AAAAAAAAAAAAAAAAAAAAAAAAAAAAhAAAAGAAAABQAAABQKAAAGycAAHA1AABZKQAAEAAAACYAAAAIAAAAAAAAAAAAAAA="/>
               </a:ext>
             </a:extLst>
           </p:cNvSpPr>
@@ -961,7 +961,7 @@
           <a:lstStyle/>
           <a:p>
             <a:pPr/>
-            <a:fld id="{1CA1D250-1EF1-F424-BF19-E8719C5749BD}" type="slidenum">
+            <a:fld id="{1CB545D3-9DF1-E0B3-BF0D-6BE60B43493E}" type="slidenum">
               <a:t/>
             </a:fld>
           </a:p>
@@ -999,7 +999,7 @@
             <a:spLocks noGrp="1" noChangeArrowheads="1"/>
             <a:extLst>
               <a:ext uri="smNativeData">
-                <pr:smNativeData xmlns:pr="smNativeData" val="SMDATA_13_B6msYxMAAAAlAAAAZAAAAA8BAAAAkAAAAEgAAACQAAAASAAAAAAAAAAAAAAAAAAAAAEAAABQAAAAAAAAAAAA4D8AAAAAAADgPwAAAAAAAOA/AAAAAAAA4D8AAAAAAADgPwAAAAAAAOA/AAAAAAAA4D8AAAAAAADgPwAAAAAAAOA/AAAAAAAA4D8CAAAAjAAAAAAAAAAAAAAAu+DjDP///wgAAAAAAAAAAAAAAAAAAAAAAAAAAAAAAAAAAAAAZAAAAAEAAABAAAAAAAAAAAAAAAAAAAAAAAAAAAAAAAAAAAAAAAAAAAAAAAAAAAAAAAAAAAAAAAAAAAAAAAAAAAAAAAAAAAAAAAAAAAAAAAAAAAAAAAAAAAAAAAAAAAAAFAAAADwAAAAAAAAAAAAAAAAAAAkUAAAAAQAAABQAAAAUAAAAFAAAAAEAAAAAAAAAZAAAAGQAAAAAAAAAZAAAAGQAAAAVAAAAYAAAAAAAAAAAAAAADwAAACADAAAAAAAAAAAAAAEAAACgMgAAVgcAAKr4//8BAAAAf39/AAEAAABkAAAAAAAAABQAAABAHwAAAAAAACYAAAAAAAAAwOD//wAAAAAmAAAAZAAAABYAAABMAAAAAAAAAAAAAAAEAAAAAAAAAAEAAACAgIAKAAAAACgAAAAoAAAAZAAAAGQAAAAAAAAAzMzMAAAAAABQAAAAUAAAAGQAAABkAAAAAAAAABcAAAAUAAAAAAAAAAAAAAD/fwAA/38AAAAAAAAJAAAABAAAAAAAAAAMAAAAEAAAAAAAAAAAAAAAAAAAAAAAAAAeAAAAaAAAAAAAAAAAAAAAAAAAAAAAAAAAAAAAECcAABAnAAAAAAAAAAAAAAAAAAAAAAAAAAAAAAAAAAAAAAAAAAAAABQAAAAAAAAAwMD/AAAAAABkAAAAMgAAAAAAAABkAAAAAAAAAH9/fwAKAAAAHwAAAFQAAAAAAAAFAAAAAQAAAAAAAAAAAAAAAAAAAAAAAAAAAAAAAAAAAAAAAAAAAAAAAn9/fwAAAAADzMzMAMDA/wB/f38AAAAAAAAAAAAAAAAAAAAAAAAAAAAhAAAAGAAAABQAAAByBAAAHBsAAEI0AAB9IwAAEAAAACYAAAAIAAAAgYAAAAAAAAA="/>
+                <pr:smNativeData xmlns:pr="smNativeData" val="SMDATA_13_Na6sYxMAAAAlAAAAZAAAAA8BAAAAkAAAAEgAAACQAAAASAAAAAAAAAAAAAAAAAAAAAEAAABQAAAAAAAAAAAA4D8AAAAAAADgPwAAAAAAAOA/AAAAAAAA4D8AAAAAAADgPwAAAAAAAOA/AAAAAAAA4D8AAAAAAADgPwAAAAAAAOA/AAAAAAAA4D8CAAAAjAAAAAAAAAAAAAAAu+DjDP///wgAAAAAAAAAAAAAAAAAAAAAAAAAAAAAAAAAAAAAZAAAAAEAAABAAAAAAAAAAAAAAAAAAAAAAAAAAAAAAAAAAAAAAAAAAAAAAAAAAAAAAAAAAAAAAAAAAAAAAAAAAAAAAAAAAAAAAAAAAAAAAAAAAAAAAAAAAAAAAAAAAAAAFAAAADwAAAAAAAAAAAAAAAAAAAkUAAAAAQAAABQAAAAUAAAAFAAAAAEAAAAAAAAAZAAAAGQAAAAAAAAAZAAAAGQAAAAVAAAAYAAAAAAAAAAAAAAADwAAACADAAAAAAAAAAAAAAEAAACgMgAAVgcAAKr4//8BAAAAf39/AAEAAABkAAAAAAAAABQAAABAHwAAAAAAACYAAAAAAAAAwOD//wAAAAAmAAAAZAAAABYAAABMAAAAAAAAAAAAAAAEAAAAAAAAAAEAAACAgIAKAAAAACgAAAAoAAAAZAAAAGQAAAAAAAAAzMzMAAAAAABQAAAAUAAAAGQAAABkAAAAAAAAABcAAAAUAAAAAAAAAAAAAAD/fwAA/38AAAAAAAAJAAAABAAAAAAAAAAMAAAAEAAAAAAAAAAAAAAAAAAAAAAAAAAeAAAAaAAAAAAAAAAAAAAAAAAAAAAAAAAAAAAAECcAABAnAAAAAAAAAAAAAAAAAAAAAAAAAAAAAAAAAAAAAAAAAAAAABQAAAAAAAAAwMD/AAAAAABkAAAAMgAAAAAAAABkAAAAAAAAAH9/fwAKAAAAHwAAAFQAAAAAAAAFAAAAAQAAAAAAAAAAAAAAAAAAAAAAAAAAAAAAAAAAAAAAAAAAAAAAAn9/fwAAAAADzMzMAMDA/wB/f38AAAAAAAAAAAAAAAAAAAAAAAAAAAAhAAAAGAAAABQAAAByBAAAHBsAAEI0AAB9IwAAEAAAACYAAAAIAAAAgYAAAAAAAAA="/>
               </a:ext>
             </a:extLst>
           </p:cNvSpPr>
@@ -1041,7 +1041,7 @@
             <a:spLocks noGrp="1" noChangeArrowheads="1"/>
             <a:extLst>
               <a:ext uri="smNativeData">
-                <pr:smNativeData xmlns:pr="smNativeData" val="SMDATA_13_B6msYxMAAAAlAAAAZAAAAA8BAAAAkAAAAEgAAACQAAAASAAAAAAAAAACAAAAAAAAAAEAAABQAAAAAAAAAAAA4D8AAAAAAADgPwAAAAAAAOA/AAAAAAAA4D8AAAAAAADgPwAAAAAAAOA/AAAAAAAA4D8AAAAAAADgPwAAAAAAAOA/AAAAAAAA4D8CAAAAjAAAAAAAAAAAAAAAu+DjDP///wgAAAAAAAAAAAAAAAAAAAAAAAAAAAAAAAAAAAAAZAAAAAEAAABAAAAAAAAAAAAAAAAAAAAAAAAAAAAAAAAAAAAAAAAAAAAAAAAAAAAAAAAAAAAAAAAAAAAAAAAAAAAAAAAAAAAAAAAAAAAAAAAAAAAAAAAAAAAAAAAAAAAAFAAAADwAAAAAAAAAAAAAAAAAAAkUAAAAAQAAABQAAAAUAAAAFAAAAAEAAAAAAAAAZAAAAGQAAAAAAAAAZAAAAGQAAAAVAAAAYAAAAAAAAAAAAAAADwAAACADAAAAAAAAAAAAAAEAAACgMgAAVgcAAKr4//8BAAAAf39/AAEAAABkAAAAAAAAABQAAABAHwAAAAAAACYAAAAAAAAAwOD//wAAAAAmAAAAZAAAABYAAABMAAAAAAAAAAAAAAAEAAAAAAAAAAEAAACAgIAKAAAAACgAAAAoAAAAZAAAAGQAAAAAAAAAzMzMAAAAAABQAAAAUAAAAGQAAABkAAAAAAAAABcAAAAUAAAAAAAAAAAAAAD/fwAA/38AAAAAAAAJAAAABAAAAO3FAwAMAAAAEAAAAAAAAAAAAAAAAAAAAAAAAAAeAAAAaAAAAAAAAAAAAAAAAAAAAAAAAAAAAAAAECcAABAnAAAAAAAAAAAAAAAAAAAAAAAAAAAAAAAAAAAAAAAAAAAAABQAAAAAAAAAwMD/AAAAAABkAAAAMgAAAAAAAABkAAAAAAAAAH9/fwAKAAAAHwAAAFQAAAAAAAAFAAAAAQAAAAAAAAAAAAAAAAAAAAAAAAAAAAAAAAAAAAAAAAAAAAAAAn9/fwAAAAADzMzMAMDA/wB/f38AAAAAAAAAAAAAAAAAAAAAAAAAAAAhAAAAGAAAABQAAAByBAAA4REAAEI0AAAcGwAAEAAAACYAAAAIAAAAgYAAAAAAAAA="/>
+                <pr:smNativeData xmlns:pr="smNativeData" val="SMDATA_13_Na6sYxMAAAAlAAAAZAAAAA8BAAAAkAAAAEgAAACQAAAASAAAAAAAAAACAAAAAAAAAAEAAABQAAAAAAAAAAAA4D8AAAAAAADgPwAAAAAAAOA/AAAAAAAA4D8AAAAAAADgPwAAAAAAAOA/AAAAAAAA4D8AAAAAAADgPwAAAAAAAOA/AAAAAAAA4D8CAAAAjAAAAAAAAAAAAAAAu+DjDP///wgAAAAAAAAAAAAAAAAAAAAAAAAAAAAAAAAAAAAAZAAAAAEAAABAAAAAAAAAAAAAAAAAAAAAAAAAAAAAAAAAAAAAAAAAAAAAAAAAAAAAAAAAAAAAAAAAAAAAAAAAAAAAAAAAAAAAAAAAAAAAAAAAAAAAAAAAAAAAAAAAAAAAFAAAADwAAAAAAAAAAAAAAAAAAAkUAAAAAQAAABQAAAAUAAAAFAAAAAEAAAAAAAAAZAAAAGQAAAAAAAAAZAAAAGQAAAAVAAAAYAAAAAAAAAAAAAAADwAAACADAAAAAAAAAAAAAAEAAACgMgAAVgcAAKr4//8BAAAAf39/AAEAAABkAAAAAAAAABQAAABAHwAAAAAAACYAAAAAAAAAwOD//wAAAAAmAAAAZAAAABYAAABMAAAAAAAAAAAAAAAEAAAAAAAAAAEAAACAgIAKAAAAACgAAAAoAAAAZAAAAGQAAAAAAAAAzMzMAAAAAABQAAAAUAAAAGQAAABkAAAAAAAAABcAAAAUAAAAAAAAAAAAAAD/fwAA/38AAAAAAAAJAAAABAAAAO3FAwAMAAAAEAAAAAAAAAAAAAAAAAAAAAAAAAAeAAAAaAAAAAAAAAAAAAAAAAAAAAAAAAAAAAAAECcAABAnAAAAAAAAAAAAAAAAAAAAAAAAAAAAAAAAAAAAAAAAAAAAABQAAAAAAAAAwMD/AAAAAABkAAAAMgAAAAAAAABkAAAAAAAAAH9/fwAKAAAAHwAAAFQAAAAAAAAFAAAAAQAAAAAAAAAAAAAAAAAAAAAAAAAAAAAAAAAAAAAAAAAAAAAAAn9/fwAAAAADzMzMAMDA/wB/f38AAAAAAAAAAAAAAAAAAAAAAAAAAAAhAAAAGAAAABQAAAByBAAA4REAAEI0AAAcGwAAEAAAACYAAAAIAAAAgYAAAAAAAAA="/>
               </a:ext>
             </a:extLst>
           </p:cNvSpPr>
@@ -1114,7 +1114,7 @@
             <a:spLocks noGrp="1" noChangeArrowheads="1"/>
             <a:extLst>
               <a:ext uri="smNativeData">
-                <pr:smNativeData xmlns:pr="smNativeData" val="SMDATA_13_B6msYxMAAAAlAAAAZAAAAA8BAAAAkAAAAEgAAACQAAAASAAAAAAAAAABAAAAAAAAAAEAAABQAAAAAAAAAAAA4D8AAAAAAADgPwAAAAAAAOA/AAAAAAAA4D8AAAAAAADgPwAAAAAAAOA/AAAAAAAA4D8AAAAAAADgPwAAAAAAAOA/AAAAAAAA4D8CAAAAjAAAAAAAAAAAAAAAu+DjDP///wgAAAAAAAAAAAAAAAAAAAAAAAAAAAAAAAAAAAAAZAAAAAEAAABAAAAAAAAAAAAAAAAAAAAAAAAAAAAAAAAAAAAAAAAAAAAAAAAAAAAAAAAAAAAAAAAAAAAAAAAAAAAAAAAAAAAAAAAAAAAAAAAAAAAAAAAAAAAAAAAAAAAAFAAAADwAAAAAAAAAAAAAAAAAAAkUAAAAAQAAABQAAAAUAAAAFAAAAAEAAAAAAAAAZAAAAGQAAAAAAAAAZAAAAGQAAAAVAAAAYAAAAAAAAAAAAAAADwAAACADAAAAAAAAAAAAAAEAAACgMgAAVgcAAKr4//8BAAAAf39/AAEAAABkAAAAAAAAABQAAABAHwAAAAAAACYAAAAAAAAAwOD//wAAAAAmAAAAZAAAABYAAABMAAAAAAAAAAAAAAAEAAAAAAAAAAEAAACAgIAKAAAAACgAAAAoAAAAZAAAAGQAAAAAAAAAzMzMAAAAAABQAAAAUAAAAGQAAABkAAAAAAAAABcAAAAUAAAAAAAAAAAAAAD/fwAA/38AAAAAAAAJAAAABAAAAPBC34oMAAAAEAAAAAAAAAAAAAAAAAAAAAAAAAAeAAAAaAAAAAAAAAAAAAAAAAAAAAAAAAAAAAAAECcAABAnAAAAAAAAAAAAAAAAAAAAAAAAAAAAAAAAAAAAAAAAAAAAABQAAAAAAAAAwMD/AAAAAABkAAAAMgAAAAAAAABkAAAAAAAAAH9/fwAKAAAAHwAAAFQAAAAAAAAFAAAAAQAAAAAAAAAAAAAAAAAAAAAAAAAAAAAAAAAAAAAAAAAAAAAAAn9/fwAAAAADzMzMAMDA/wB/f38AAAAAAAAAAAAAAAAAAAAAAAAAAAAhAAAAGAAAABQAAADQAgAAGycAAPAPAABZKQAAEAAAACYAAAAIAAAAAAAAAAAAAAA="/>
+                <pr:smNativeData xmlns:pr="smNativeData" val="SMDATA_13_Na6sYxMAAAAlAAAAZAAAAA8BAAAAkAAAAEgAAACQAAAASAAAAAAAAAABAAAAAAAAAAEAAABQAAAAAAAAAAAA4D8AAAAAAADgPwAAAAAAAOA/AAAAAAAA4D8AAAAAAADgPwAAAAAAAOA/AAAAAAAA4D8AAAAAAADgPwAAAAAAAOA/AAAAAAAA4D8CAAAAjAAAAAAAAAAAAAAAu+DjDP///wgAAAAAAAAAAAAAAAAAAAAAAAAAAAAAAAAAAAAAZAAAAAEAAABAAAAAAAAAAAAAAAAAAAAAAAAAAAAAAAAAAAAAAAAAAAAAAAAAAAAAAAAAAAAAAAAAAAAAAAAAAAAAAAAAAAAAAAAAAAAAAAAAAAAAAAAAAAAAAAAAAAAAFAAAADwAAAAAAAAAAAAAAAAAAAkUAAAAAQAAABQAAAAUAAAAFAAAAAEAAAAAAAAAZAAAAGQAAAAAAAAAZAAAAGQAAAAVAAAAYAAAAAAAAAAAAAAADwAAACADAAAAAAAAAAAAAAEAAACgMgAAVgcAAKr4//8BAAAAf39/AAEAAABkAAAAAAAAABQAAABAHwAAAAAAACYAAAAAAAAAwOD//wAAAAAmAAAAZAAAABYAAABMAAAAAAAAAAAAAAAEAAAAAAAAAAEAAACAgIAKAAAAACgAAAAoAAAAZAAAAGQAAAAAAAAAzMzMAAAAAABQAAAAUAAAAGQAAABkAAAAAAAAABcAAAAUAAAAAAAAAAAAAAD/fwAA/38AAAAAAAAJAAAABAAAAPBC34oMAAAAEAAAAAAAAAAAAAAAAAAAAAAAAAAeAAAAaAAAAAAAAAAAAAAAAAAAAAAAAAAAAAAAECcAABAnAAAAAAAAAAAAAAAAAAAAAAAAAAAAAAAAAAAAAAAAAAAAABQAAAAAAAAAwMD/AAAAAABkAAAAMgAAAAAAAABkAAAAAAAAAH9/fwAKAAAAHwAAAFQAAAAAAAAFAAAAAQAAAAAAAAAAAAAAAAAAAAAAAAAAAAAAAAAAAAAAAAAAAAAAAn9/fwAAAAADzMzMAMDA/wB/f38AAAAAAAAAAAAAAAAAAAAAAAAAAAAhAAAAGAAAABQAAADQAgAAGycAAPAPAABZKQAAEAAAACYAAAAIAAAAAAAAAAAAAAA="/>
               </a:ext>
             </a:extLst>
           </p:cNvSpPr>
@@ -1128,7 +1128,7 @@
           <a:lstStyle/>
           <a:p>
             <a:pPr/>
-            <a:fld id="{1CA1EDBD-F3F1-F41B-BF19-054EA3574950}" type="datetime1">
+            <a:fld id="{1CB5598E-C0F1-E0AF-BF0D-36FA17434963}" type="datetime1">
               <a:t/>
             </a:fld>
           </a:p>
@@ -1141,7 +1141,7 @@
             <a:spLocks noGrp="1" noChangeArrowheads="1"/>
             <a:extLst>
               <a:ext uri="smNativeData">
-                <pr:smNativeData xmlns:pr="smNativeData" val="SMDATA_13_B6msYxMAAAAlAAAAZAAAAA8BAAAAkAAAAEgAAACQAAAASAAAAAAAAAABAAAAAAAAAAEAAABQAAAAAAAAAAAA4D8AAAAAAADgPwAAAAAAAOA/AAAAAAAA4D8AAAAAAADgPwAAAAAAAOA/AAAAAAAA4D8AAAAAAADgPwAAAAAAAOA/AAAAAAAA4D8CAAAAjAAAAAAAAAAAAAAAu+DjDP///wgAAAAAAAAAAAAAAAAAAAAAAAAAAAAAAAAAAAAAZAAAAAEAAABAAAAAAAAAAAAAAAAAAAAAAAAAAAAAAAAAAAAAAAAAAAAAAAAAAAAAAAAAAAAAAAAAAAAAAAAAAAAAAAAAAAAAAAAAAAAAAAAAAAAAAAAAAAAAAAAAAAAAFAAAADwAAAAAAAAAAAAAAAAAAAkUAAAAAQAAABQAAAAUAAAAFAAAAAEAAAAAAAAAZAAAAGQAAAAAAAAAZAAAAGQAAAAVAAAAYAAAAAAAAAAAAAAADwAAACADAAAAAAAAAAAAAAEAAACgMgAAVgcAAKr4//8BAAAAf39/AAEAAABkAAAAAAAAABQAAABAHwAAAAAAACYAAAAAAAAAwOD//wAAAAAmAAAAZAAAABYAAABMAAAAAAAAAAAAAAAEAAAAAAAAAAEAAACAgIAKAAAAACgAAAAoAAAAZAAAAGQAAAAAAAAAzMzMAAAAAABQAAAAUAAAAGQAAABkAAAAAAAAABcAAAAUAAAAAAAAAAAAAAD/fwAA/38AAAAAAAAJAAAABAAAANMZJUQMAAAAEAAAAAAAAAAAAAAAAAAAAAAAAAAeAAAAaAAAAAAAAAAAAAAAAAAAAAAAAAAAAAAAECcAABAnAAAAAAAAAAAAAAAAAAAAAAAAAAAAAAAAAAAAAAAAAAAAABQAAAAAAAAAwMD/AAAAAABkAAAAMgAAAAAAAABkAAAAAAAAAH9/fwAKAAAAHwAAAFQAAAAAAAAFAAAAAQAAAAAAAAAAAAAAAAAAAAAAAAAAAAAAAAAAAAAAAAAAAAAAAn9/fwAAAAADzMzMAMDA/wB/f38AAAAAAAAAAAAAAAAAAAAAAAAAAAAhAAAAGAAAABQAAAA4EwAAGycAAAglAABZKQAAEAAAACYAAAAIAAAAAAAAAAAAAAA="/>
+                <pr:smNativeData xmlns:pr="smNativeData" val="SMDATA_13_Na6sYxMAAAAlAAAAZAAAAA8BAAAAkAAAAEgAAACQAAAASAAAAAAAAAABAAAAAAAAAAEAAABQAAAAAAAAAAAA4D8AAAAAAADgPwAAAAAAAOA/AAAAAAAA4D8AAAAAAADgPwAAAAAAAOA/AAAAAAAA4D8AAAAAAADgPwAAAAAAAOA/AAAAAAAA4D8CAAAAjAAAAAAAAAAAAAAAu+DjDP///wgAAAAAAAAAAAAAAAAAAAAAAAAAAAAAAAAAAAAAZAAAAAEAAABAAAAAAAAAAAAAAAAAAAAAAAAAAAAAAAAAAAAAAAAAAAAAAAAAAAAAAAAAAAAAAAAAAAAAAAAAAAAAAAAAAAAAAAAAAAAAAAAAAAAAAAAAAAAAAAAAAAAAFAAAADwAAAAAAAAAAAAAAAAAAAkUAAAAAQAAABQAAAAUAAAAFAAAAAEAAAAAAAAAZAAAAGQAAAAAAAAAZAAAAGQAAAAVAAAAYAAAAAAAAAAAAAAADwAAACADAAAAAAAAAAAAAAEAAACgMgAAVgcAAKr4//8BAAAAf39/AAEAAABkAAAAAAAAABQAAABAHwAAAAAAACYAAAAAAAAAwOD//wAAAAAmAAAAZAAAABYAAABMAAAAAAAAAAAAAAAEAAAAAAAAAAEAAACAgIAKAAAAACgAAAAoAAAAZAAAAGQAAAAAAAAAzMzMAAAAAABQAAAAUAAAAGQAAABkAAAAAAAAABcAAAAUAAAAAAAAAAAAAAD/fwAA/38AAAAAAAAJAAAABAAAANMZJUQMAAAAEAAAAAAAAAAAAAAAAAAAAAAAAAAeAAAAaAAAAAAAAAAAAAAAAAAAAAAAAAAAAAAAECcAABAnAAAAAAAAAAAAAAAAAAAAAAAAAAAAAAAAAAAAAAAAAAAAABQAAAAAAAAAwMD/AAAAAABkAAAAMgAAAAAAAABkAAAAAAAAAH9/fwAKAAAAHwAAAFQAAAAAAAAFAAAAAQAAAAAAAAAAAAAAAAAAAAAAAAAAAAAAAAAAAAAAAAAAAAAAAn9/fwAAAAADzMzMAMDA/wB/f38AAAAAAAAAAAAAAAAAAAAAAAAAAAAhAAAAGAAAABQAAAA4EwAAGycAAAglAABZKQAAEAAAACYAAAAIAAAAAAAAAAAAAAA="/>
               </a:ext>
             </a:extLst>
           </p:cNvSpPr>
@@ -1165,7 +1165,7 @@
             <a:spLocks noGrp="1" noChangeArrowheads="1"/>
             <a:extLst>
               <a:ext uri="smNativeData">
-                <pr:smNativeData xmlns:pr="smNativeData" val="SMDATA_13_B6msYxMAAAAlAAAAZAAAAA8BAAAAkAAAAEgAAACQAAAASAAAAAAAAAABAAAAAAAAAAEAAABQAAAAAAAAAAAA4D8AAAAAAADgPwAAAAAAAOA/AAAAAAAA4D8AAAAAAADgPwAAAAAAAOA/AAAAAAAA4D8AAAAAAADgPwAAAAAAAOA/AAAAAAAA4D8CAAAAjAAAAAAAAAAAAAAAu+DjDP///wgAAAAAAAAAAAAAAAAAAAAAAAAAAAAAAAAAAAAAZAAAAAEAAABAAAAAAAAAAAAAAAAAAAAAAAAAAAAAAAAAAAAAAAAAAAAAAAAAAAAAAAAAAAAAAAAAAAAAAAAAAAAAAAAAAAAAAAAAAAAAAAAAAAAAAAAAAAAAAAAAAAAAFAAAADwAAAAAAAAAAAAAAAAAAAkUAAAAAQAAABQAAAAUAAAAFAAAAAEAAAAAAAAAZAAAAGQAAAAAAAAAZAAAAGQAAAAVAAAAYAAAAAAAAAAAAAAADwAAACADAAAAAAAAAAAAAAEAAACgMgAAVgcAAKr4//8BAAAAf39/AAEAAABkAAAAAAAAABQAAABAHwAAAAAAACYAAAAAAAAAwOD//wAAAAAmAAAAZAAAABYAAABMAAAAAAAAAAAAAAAEAAAAAAAAAAEAAACAgIAKAAAAACgAAAAoAAAAZAAAAGQAAAAAAAAAzMzMAAAAAABQAAAAUAAAAGQAAABkAAAAAAAAABcAAAAUAAAAAAAAAAAAAAD/fwAA/38AAAAAAAAJAAAABAAAAPhL+yIMAAAAEAAAAAAAAAAAAAAAAAAAAAAAAAAeAAAAaAAAAAAAAAAAAAAAAAAAAAAAAAAAAAAAECcAABAnAAAAAAAAAAAAAAAAAAAAAAAAAAAAAAAAAAAAAAAAAAAAABQAAAAAAAAAwMD/AAAAAABkAAAAMgAAAAAAAABkAAAAAAAAAH9/fwAKAAAAHwAAAFQAAAAAAAAFAAAAAQAAAAAAAAAAAAAAAAAAAAAAAAAAAAAAAAAAAAAAAAAAAAAAAn9/fwAAAAADzMzMAMDA/wB/f38AAAAAAAAAAAAAAAAAAAAAAAAAAAAhAAAAGAAAABQAAABQKAAAGycAAHA1AABZKQAAEAAAACYAAAAIAAAAAAAAAAAAAAA="/>
+                <pr:smNativeData xmlns:pr="smNativeData" val="SMDATA_13_Na6sYxMAAAAlAAAAZAAAAA8BAAAAkAAAAEgAAACQAAAASAAAAAAAAAABAAAAAAAAAAEAAABQAAAAAAAAAAAA4D8AAAAAAADgPwAAAAAAAOA/AAAAAAAA4D8AAAAAAADgPwAAAAAAAOA/AAAAAAAA4D8AAAAAAADgPwAAAAAAAOA/AAAAAAAA4D8CAAAAjAAAAAAAAAAAAAAAu+DjDP///wgAAAAAAAAAAAAAAAAAAAAAAAAAAAAAAAAAAAAAZAAAAAEAAABAAAAAAAAAAAAAAAAAAAAAAAAAAAAAAAAAAAAAAAAAAAAAAAAAAAAAAAAAAAAAAAAAAAAAAAAAAAAAAAAAAAAAAAAAAAAAAAAAAAAAAAAAAAAAAAAAAAAAFAAAADwAAAAAAAAAAAAAAAAAAAkUAAAAAQAAABQAAAAUAAAAFAAAAAEAAAAAAAAAZAAAAGQAAAAAAAAAZAAAAGQAAAAVAAAAYAAAAAAAAAAAAAAADwAAACADAAAAAAAAAAAAAAEAAACgMgAAVgcAAKr4//8BAAAAf39/AAEAAABkAAAAAAAAABQAAABAHwAAAAAAACYAAAAAAAAAwOD//wAAAAAmAAAAZAAAABYAAABMAAAAAAAAAAAAAAAEAAAAAAAAAAEAAACAgIAKAAAAACgAAAAoAAAAZAAAAGQAAAAAAAAAzMzMAAAAAABQAAAAUAAAAGQAAABkAAAAAAAAABcAAAAUAAAAAAAAAAAAAAD/fwAA/38AAAAAAAAJAAAABAAAAPhL+yIMAAAAEAAAAAAAAAAAAAAAAAAAAAAAAAAeAAAAaAAAAAAAAAAAAAAAAAAAAAAAAAAAAAAAECcAABAnAAAAAAAAAAAAAAAAAAAAAAAAAAAAAAAAAAAAAAAAAAAAABQAAAAAAAAAwMD/AAAAAABkAAAAMgAAAAAAAABkAAAAAAAAAH9/fwAKAAAAHwAAAFQAAAAAAAAFAAAAAQAAAAAAAAAAAAAAAAAAAAAAAAAAAAAAAAAAAAAAAAAAAAAAAn9/fwAAAAADzMzMAMDA/wB/f38AAAAAAAAAAAAAAAAAAAAAAAAAAAAhAAAAGAAAABQAAABQKAAAGycAAHA1AABZKQAAEAAAACYAAAAIAAAAAAAAAAAAAAA="/>
               </a:ext>
             </a:extLst>
           </p:cNvSpPr>
@@ -1179,7 +1179,7 @@
           <a:lstStyle/>
           <a:p>
             <a:pPr/>
-            <a:fld id="{1CA1E1CB-85F1-F417-BF19-7342AF574926}" type="slidenum">
+            <a:fld id="{1CB51FF5-BBF1-E0E9-BF0D-4DBC51434918}" type="slidenum">
               <a:t/>
             </a:fld>
           </a:p>
@@ -1217,7 +1217,7 @@
             <a:spLocks noGrp="1" noChangeArrowheads="1"/>
             <a:extLst>
               <a:ext uri="smNativeData">
-                <pr:smNativeData xmlns:pr="smNativeData" val="SMDATA_13_B6msYxMAAAAlAAAAZAAAAA8BAAAAkAAAAEgAAACQAAAASAAAAAAAAAABAAAAAAAAAAEAAABQAAAAAAAAAAAA4D8AAAAAAADgPwAAAAAAAOA/AAAAAAAA4D8AAAAAAADgPwAAAAAAAOA/AAAAAAAA4D8AAAAAAADgPwAAAAAAAOA/AAAAAAAA4D8CAAAAjAAAAAAAAAAAAAAAu+DjDP///wgAAAAAAAAAAAAAAAAAAAAAAAAAAAAAAAAAAAAAZAAAAAEAAABAAAAAAAAAAAAAAAAAAAAAAAAAAAAAAAAAAAAAAAAAAAAAAAAAAAAAAAAAAAAAAAAAAAAAAAAAAAAAAAAAAAAAAAAAAAAAAAAAAAAAAAAAAAAAAAAAAAAAFAAAADwAAAAAAAAAAAAAAAAAAAkUAAAAAQAAABQAAAAUAAAAFAAAAAEAAAAAAAAAZAAAAGQAAAAAAAAAZAAAAGQAAAAVAAAAYAAAAAAAAAAAAAAADwAAACADAAAAAAAAAAAAAAEAAACgMgAAVgcAAKr4//8BAAAAf39/AAEAAABkAAAAAAAAABQAAABAHwAAAAAAACYAAAAAAAAAwOD//wAAAAAmAAAAZAAAABYAAABMAAAAAAAAAAAAAAAEAAAAAAAAAAEAAACAgIAKAAAAACgAAAAoAAAAZAAAAGQAAAAAAAAAzMzMAAAAAABQAAAAUAAAAGQAAABkAAAAAAAAABcAAAAUAAAAAAAAAAAAAAD/fwAA/38AAAAAAAAJAAAABAAAAAMAhj4MAAAAEAAAAAAAAAAAAAAAAAAAAAAAAAAeAAAAaAAAAAAAAAAAAAAAAAAAAAAAAAAAAAAAECcAABAnAAAAAAAAAAAAAAAAAAAAAAAAAAAAAAAAAAAAAAAAAAAAABQAAAAAAAAAwMD/AAAAAABkAAAAMgAAAAAAAABkAAAAAAAAAH9/fwAKAAAAHwAAAFQAAAAAAAAFAAAAAQAAAAAAAAAAAAAAAAAAAAAAAAAAAAAAAAAAAAAAAAAAAAAAAn9/fwAAAAADzMzMAMDA/wB/f38AAAAAAAAAAAAAAAAAAAAAAAAAAAAhAAAAGAAAABQAAADQAgAAsAEAAHA1AAC4CAAAEAAAACYAAAAIAAAAAAAAAAAAAAA="/>
+                <pr:smNativeData xmlns:pr="smNativeData" val="SMDATA_13_Na6sYxMAAAAlAAAAZAAAAA8BAAAAkAAAAEgAAACQAAAASAAAAAAAAAABAAAAAAAAAAEAAABQAAAAAAAAAAAA4D8AAAAAAADgPwAAAAAAAOA/AAAAAAAA4D8AAAAAAADgPwAAAAAAAOA/AAAAAAAA4D8AAAAAAADgPwAAAAAAAOA/AAAAAAAA4D8CAAAAjAAAAAAAAAAAAAAAu+DjDP///wgAAAAAAAAAAAAAAAAAAAAAAAAAAAAAAAAAAAAAZAAAAAEAAABAAAAAAAAAAAAAAAAAAAAAAAAAAAAAAAAAAAAAAAAAAAAAAAAAAAAAAAAAAAAAAAAAAAAAAAAAAAAAAAAAAAAAAAAAAAAAAAAAAAAAAAAAAAAAAAAAAAAAFAAAADwAAAAAAAAAAAAAAAAAAAkUAAAAAQAAABQAAAAUAAAAFAAAAAEAAAAAAAAAZAAAAGQAAAAAAAAAZAAAAGQAAAAVAAAAYAAAAAAAAAAAAAAADwAAACADAAAAAAAAAAAAAAEAAACgMgAAVgcAAKr4//8BAAAAf39/AAEAAABkAAAAAAAAABQAAABAHwAAAAAAACYAAAAAAAAAwOD//wAAAAAmAAAAZAAAABYAAABMAAAAAAAAAAAAAAAEAAAAAAAAAAEAAACAgIAKAAAAACgAAAAoAAAAZAAAAGQAAAAAAAAAzMzMAAAAAABQAAAAUAAAAGQAAABkAAAAAAAAABcAAAAUAAAAAAAAAAAAAAD/fwAA/38AAAAAAAAJAAAABAAAAAMAhj4MAAAAEAAAAAAAAAAAAAAAAAAAAAAAAAAeAAAAaAAAAAAAAAAAAAAAAAAAAAAAAAAAAAAAECcAABAnAAAAAAAAAAAAAAAAAAAAAAAAAAAAAAAAAAAAAAAAAAAAABQAAAAAAAAAwMD/AAAAAABkAAAAMgAAAAAAAABkAAAAAAAAAH9/fwAKAAAAHwAAAFQAAAAAAAAFAAAAAQAAAAAAAAAAAAAAAAAAAAAAAAAAAAAAAAAAAAAAAAAAAAAAAn9/fwAAAAADzMzMAMDA/wB/f38AAAAAAAAAAAAAAAAAAAAAAAAAAAAhAAAAGAAAABQAAADQAgAAsAEAAHA1AAC4CAAAEAAAACYAAAAIAAAAAAAAAAAAAAA="/>
               </a:ext>
             </a:extLst>
           </p:cNvSpPr>
@@ -1244,7 +1244,7 @@
             <a:spLocks noGrp="1" noChangeArrowheads="1"/>
             <a:extLst>
               <a:ext uri="smNativeData">
-                <pr:smNativeData xmlns:pr="smNativeData" val="SMDATA_13_B6msYxMAAAAlAAAAZAAAAA8BAAAAkAAAAEgAAACQAAAASAAAAAAAAAAAAAAAAAAAAAEAAABQAAAAAAAAAAAA4D8AAAAAAADgPwAAAAAAAOA/AAAAAAAA4D8AAAAAAADgPwAAAAAAAOA/AAAAAAAA4D8AAAAAAADgPwAAAAAAAOA/AAAAAAAA4D8CAAAAjAAAAAAAAAAAAAAAu+DjDP///wgAAAAAAAAAAAAAAAAAAAAAAAAAAAAAAAAAAAAAZAAAAAEAAABAAAAAAAAAAAAAAAAAAAAAAAAAAAAAAAAAAAAAAAAAAAAAAAAAAAAAAAAAAAAAAAAAAAAAAAAAAAAAAAAAAAAAAAAAAAAAAAAAAAAAAAAAAAAAAAAAAAAAFAAAADwAAAAAAAAAAAAAAAAAAAkUAAAAAQAAABQAAAAUAAAAFAAAAAEAAAAAAAAAZAAAAGQAAAAAAAAAZAAAAGQAAAAVAAAAYAAAAAAAAAAAAAAADwAAACADAAAAAAAAAAAAAAEAAACgMgAAVgcAAKr4//8BAAAAf39/AAEAAABkAAAAAAAAABQAAABAHwAAAAAAACYAAAAAAAAAwOD//wAAAAAmAAAAZAAAABYAAABMAAAAAAAAAAAAAAAEAAAAAAAAAAEAAACAgIAKAAAAACgAAAAoAAAAZAAAAGQAAAAAAAAAzMzMAAAAAABQAAAAUAAAAGQAAABkAAAAAAAAABcAAAAUAAAAAAAAAAAAAAD/fwAA/38AAAAAAAAJAAAABAAAAJJH8tUMAAAAEAAAAAAAAAAAAAAAAAAAAAAAAAAeAAAAaAAAAAAAAAAAAAAAAAAAAAAAAAAAAAAAECcAABAnAAAAAAAAAAAAAAAAAAAAAAAAAAAAAAAAAAAAAAAAAAAAABQAAAAAAAAAwMD/AAAAAABkAAAAMgAAAAAAAABkAAAAAAAAAH9/fwAKAAAAHwAAAFQAAAAAAAAFAAAAAQAAAAAAAAAAAAAAAAAAAAAAAAAAAAAAAAAAAAAAAAAAAAAAAn9/fwAAAAADzMzMAMDA/wB/f38AAAAAAAAAAAAAAAAAAAAAAAAAAAAhAAAAGAAAABQAAADQAgAA2AkAAKgbAACwJQAAEAAAACYAAAAIAAAAAYAAAAAAAAA="/>
+                <pr:smNativeData xmlns:pr="smNativeData" val="SMDATA_13_Na6sYxMAAAAlAAAAZAAAAA8BAAAAkAAAAEgAAACQAAAASAAAAAAAAAAAAAAAAAAAAAEAAABQAAAAAAAAAAAA4D8AAAAAAADgPwAAAAAAAOA/AAAAAAAA4D8AAAAAAADgPwAAAAAAAOA/AAAAAAAA4D8AAAAAAADgPwAAAAAAAOA/AAAAAAAA4D8CAAAAjAAAAAAAAAAAAAAAu+DjDP///wgAAAAAAAAAAAAAAAAAAAAAAAAAAAAAAAAAAAAAZAAAAAEAAABAAAAAAAAAAAAAAAAAAAAAAAAAAAAAAAAAAAAAAAAAAAAAAAAAAAAAAAAAAAAAAAAAAAAAAAAAAAAAAAAAAAAAAAAAAAAAAAAAAAAAAAAAAAAAAAAAAAAAFAAAADwAAAAAAAAAAAAAAAAAAAkUAAAAAQAAABQAAAAUAAAAFAAAAAEAAAAAAAAAZAAAAGQAAAAAAAAAZAAAAGQAAAAVAAAAYAAAAAAAAAAAAAAADwAAACADAAAAAAAAAAAAAAEAAACgMgAAVgcAAKr4//8BAAAAf39/AAEAAABkAAAAAAAAABQAAABAHwAAAAAAACYAAAAAAAAAwOD//wAAAAAmAAAAZAAAABYAAABMAAAAAAAAAAAAAAAEAAAAAAAAAAEAAACAgIAKAAAAACgAAAAoAAAAZAAAAGQAAAAAAAAAzMzMAAAAAABQAAAAUAAAAGQAAABkAAAAAAAAABcAAAAUAAAAAAAAAAAAAAD/fwAA/38AAAAAAAAJAAAABAAAAJJH8tUMAAAAEAAAAAAAAAAAAAAAAAAAAAAAAAAeAAAAaAAAAAAAAAAAAAAAAAAAAAAAAAAAAAAAECcAABAnAAAAAAAAAAAAAAAAAAAAAAAAAAAAAAAAAAAAAAAAAAAAABQAAAAAAAAAwMD/AAAAAABkAAAAMgAAAAAAAABkAAAAAAAAAH9/fwAKAAAAHwAAAFQAAAAAAAAFAAAAAQAAAAAAAAAAAAAAAAAAAAAAAAAAAAAAAAAAAAAAAAAAAAAAAn9/fwAAAAADzMzMAMDA/wB/f38AAAAAAAAAAAAAAAAAAAAAAAAAAAAhAAAAGAAAABQAAADQAgAA2AkAAKgbAACwJQAAEAAAACYAAAAIAAAAAYAAAAAAAAA="/>
               </a:ext>
             </a:extLst>
           </p:cNvSpPr>
@@ -1328,7 +1328,7 @@
             <a:spLocks noGrp="1" noChangeArrowheads="1"/>
             <a:extLst>
               <a:ext uri="smNativeData">
-                <pr:smNativeData xmlns:pr="smNativeData" val="SMDATA_13_B6msYxMAAAAlAAAAZAAAAA8BAAAAkAAAAEgAAACQAAAASAAAAAAAAAAAAAAAAAAAAAEAAABQAAAAAAAAAAAA4D8AAAAAAADgPwAAAAAAAOA/AAAAAAAA4D8AAAAAAADgPwAAAAAAAOA/AAAAAAAA4D8AAAAAAADgPwAAAAAAAOA/AAAAAAAA4D8CAAAAjAAAAAAAAAAAAAAAu+DjDP///wgAAAAAAAAAAAAAAAAAAAAAAAAAAAAAAAAAAAAAZAAAAAEAAABAAAAAAAAAAAAAAAAAAAAAAAAAAAAAAAAAAAAAAAAAAAAAAAAAAAAAAAAAAAAAAAAAAAAAAAAAAAAAAAAAAAAAAAAAAAAAAAAAAAAAAAAAAAAAAAAAAAAAFAAAADwAAAAAAAAAAAAAAAAAAAkUAAAAAQAAABQAAAAUAAAAFAAAAAEAAAAAAAAAZAAAAGQAAAAAAAAAZAAAAGQAAAAVAAAAYAAAAAAAAAAAAAAADwAAACADAAAAAAAAAAAAAAEAAACgMgAAVgcAAKr4//8BAAAAf39/AAEAAABkAAAAAAAAABQAAABAHwAAAAAAACYAAAAAAAAAwOD//wAAAAAmAAAAZAAAABYAAABMAAAAAAAAAAAAAAAEAAAAAAAAAAEAAACAgIAKAAAAACgAAAAoAAAAZAAAAGQAAAAAAAAAzMzMAAAAAABQAAAAUAAAAGQAAABkAAAAAAAAABcAAAAUAAAAAAAAAAAAAAD/fwAA/38AAAAAAAAJAAAABAAAAO8vAwAMAAAAEAAAAAAAAAAAAAAAAAAAAAAAAAAeAAAAaAAAAAAAAAAAAAAAAAAAAAAAAAAAAAAAECcAABAnAAAAAAAAAAAAAAAAAAAAAAAAAAAAAAAAAAAAAAAAAAAAABQAAAAAAAAAwMD/AAAAAABkAAAAMgAAAAAAAABkAAAAAAAAAH9/fwAKAAAAHwAAAFQAAAAAAAAFAAAAAQAAAAAAAAAAAAAAAAAAAAAAAAAAAAAAAAAAAAAAAAAAAAAAAn9/fwAAAAADzMzMAMDA/wB/f38AAAAAAAAAAAAAAAAAAAAAAAAAAAAhAAAAGAAAABQAAACYHAAA2AkAAHA1AACwJQAAEAAAACYAAAAIAAAAAYAAAAAAAAA="/>
+                <pr:smNativeData xmlns:pr="smNativeData" val="SMDATA_13_Na6sYxMAAAAlAAAAZAAAAA8BAAAAkAAAAEgAAACQAAAASAAAAAAAAAAAAAAAAAAAAAEAAABQAAAAAAAAAAAA4D8AAAAAAADgPwAAAAAAAOA/AAAAAAAA4D8AAAAAAADgPwAAAAAAAOA/AAAAAAAA4D8AAAAAAADgPwAAAAAAAOA/AAAAAAAA4D8CAAAAjAAAAAAAAAAAAAAAu+DjDP///wgAAAAAAAAAAAAAAAAAAAAAAAAAAAAAAAAAAAAAZAAAAAEAAABAAAAAAAAAAAAAAAAAAAAAAAAAAAAAAAAAAAAAAAAAAAAAAAAAAAAAAAAAAAAAAAAAAAAAAAAAAAAAAAAAAAAAAAAAAAAAAAAAAAAAAAAAAAAAAAAAAAAAFAAAADwAAAAAAAAAAAAAAAAAAAkUAAAAAQAAABQAAAAUAAAAFAAAAAEAAAAAAAAAZAAAAGQAAAAAAAAAZAAAAGQAAAAVAAAAYAAAAAAAAAAAAAAADwAAACADAAAAAAAAAAAAAAEAAACgMgAAVgcAAKr4//8BAAAAf39/AAEAAABkAAAAAAAAABQAAABAHwAAAAAAACYAAAAAAAAAwOD//wAAAAAmAAAAZAAAABYAAABMAAAAAAAAAAAAAAAEAAAAAAAAAAEAAACAgIAKAAAAACgAAAAoAAAAZAAAAGQAAAAAAAAAzMzMAAAAAABQAAAAUAAAAGQAAABkAAAAAAAAABcAAAAUAAAAAAAAAAAAAAD/fwAA/38AAAAAAAAJAAAABAAAAO8vAwAMAAAAEAAAAAAAAAAAAAAAAAAAAAAAAAAeAAAAaAAAAAAAAAAAAAAAAAAAAAAAAAAAAAAAECcAABAnAAAAAAAAAAAAAAAAAAAAAAAAAAAAAAAAAAAAAAAAAAAAABQAAAAAAAAAwMD/AAAAAABkAAAAMgAAAAAAAABkAAAAAAAAAH9/fwAKAAAAHwAAAFQAAAAAAAAFAAAAAQAAAAAAAAAAAAAAAAAAAAAAAAAAAAAAAAAAAAAAAAAAAAAAAn9/fwAAAAADzMzMAMDA/wB/f38AAAAAAAAAAAAAAAAAAAAAAAAAAAAhAAAAGAAAABQAAACYHAAA2AkAAHA1AACwJQAAEAAAACYAAAAIAAAAAYAAAAAAAAA="/>
               </a:ext>
             </a:extLst>
           </p:cNvSpPr>
@@ -1412,7 +1412,7 @@
             <a:spLocks noGrp="1" noChangeArrowheads="1"/>
             <a:extLst>
               <a:ext uri="smNativeData">
-                <pr:smNativeData xmlns:pr="smNativeData" val="SMDATA_13_B6msYxMAAAAlAAAAZAAAAA8BAAAAkAAAAEgAAACQAAAASAAAAAAAAAABAAAAAAAAAAEAAABQAAAAAAAAAAAA4D8AAAAAAADgPwAAAAAAAOA/AAAAAAAA4D8AAAAAAADgPwAAAAAAAOA/AAAAAAAA4D8AAAAAAADgPwAAAAAAAOA/AAAAAAAA4D8CAAAAjAAAAAAAAAAAAAAAu+DjDP///wgAAAAAAAAAAAAAAAAAAAAAAAAAAAAAAAAAAAAAZAAAAAEAAABAAAAAAAAAAAAAAAAAAAAAAAAAAAAAAAAAAAAAAAAAAAAAAAAAAAAAAAAAAAAAAAAAAAAAAAAAAAAAAAAAAAAAAAAAAAAAAAAAAAAAAAAAAAAAAAAAAAAAFAAAADwAAAAAAAAAAAAAAAAAAAkUAAAAAQAAABQAAAAUAAAAFAAAAAEAAAAAAAAAZAAAAGQAAAAAAAAAZAAAAGQAAAAVAAAAYAAAAAAAAAAAAAAADwAAACADAAAAAAAAAAAAAAEAAACgMgAAVgcAAKr4//8BAAAAf39/AAEAAABkAAAAAAAAABQAAABAHwAAAAAAACYAAAAAAAAAwOD//wAAAAAmAAAAZAAAABYAAABMAAAAAAAAAAAAAAAEAAAAAAAAAAEAAACAgIAKAAAAACgAAAAoAAAAZAAAAGQAAAAAAAAAzMzMAAAAAABQAAAAUAAAAGQAAABkAAAAAAAAABcAAAAUAAAAAAAAAAAAAAD/fwAA/38AAAAAAAAJAAAABAAAAAMAf0oMAAAAEAAAAAAAAAAAAAAAAAAAAAAAAAAeAAAAaAAAAAAAAAAAAAAAAAAAAAAAAAAAAAAAECcAABAnAAAAAAAAAAAAAAAAAAAAAAAAAAAAAAAAAAAAAAAAAAAAABQAAAAAAAAAwMD/AAAAAABkAAAAMgAAAAAAAABkAAAAAAAAAH9/fwAKAAAAHwAAAFQAAAAAAAAFAAAAAQAAAAAAAAAAAAAAAAAAAAAAAAAAAAAAAAAAAAAAAAAAAAAAAn9/fwAAAAADzMzMAMDA/wB/f38AAAAAAAAAAAAAAAAAAAAAAAAAAAAhAAAAGAAAABQAAADQAgAAGycAAPAPAABZKQAAEAAAACYAAAAIAAAAAAAAAAAAAAA="/>
+                <pr:smNativeData xmlns:pr="smNativeData" val="SMDATA_13_Na6sYxMAAAAlAAAAZAAAAA8BAAAAkAAAAEgAAACQAAAASAAAAAAAAAABAAAAAAAAAAEAAABQAAAAAAAAAAAA4D8AAAAAAADgPwAAAAAAAOA/AAAAAAAA4D8AAAAAAADgPwAAAAAAAOA/AAAAAAAA4D8AAAAAAADgPwAAAAAAAOA/AAAAAAAA4D8CAAAAjAAAAAAAAAAAAAAAu+DjDP///wgAAAAAAAAAAAAAAAAAAAAAAAAAAAAAAAAAAAAAZAAAAAEAAABAAAAAAAAAAAAAAAAAAAAAAAAAAAAAAAAAAAAAAAAAAAAAAAAAAAAAAAAAAAAAAAAAAAAAAAAAAAAAAAAAAAAAAAAAAAAAAAAAAAAAAAAAAAAAAAAAAAAAFAAAADwAAAAAAAAAAAAAAAAAAAkUAAAAAQAAABQAAAAUAAAAFAAAAAEAAAAAAAAAZAAAAGQAAAAAAAAAZAAAAGQAAAAVAAAAYAAAAAAAAAAAAAAADwAAACADAAAAAAAAAAAAAAEAAACgMgAAVgcAAKr4//8BAAAAf39/AAEAAABkAAAAAAAAABQAAABAHwAAAAAAACYAAAAAAAAAwOD//wAAAAAmAAAAZAAAABYAAABMAAAAAAAAAAAAAAAEAAAAAAAAAAEAAACAgIAKAAAAACgAAAAoAAAAZAAAAGQAAAAAAAAAzMzMAAAAAABQAAAAUAAAAGQAAABkAAAAAAAAABcAAAAUAAAAAAAAAAAAAAD/fwAA/38AAAAAAAAJAAAABAAAAAMAf0oMAAAAEAAAAAAAAAAAAAAAAAAAAAAAAAAeAAAAaAAAAAAAAAAAAAAAAAAAAAAAAAAAAAAAECcAABAnAAAAAAAAAAAAAAAAAAAAAAAAAAAAAAAAAAAAAAAAAAAAABQAAAAAAAAAwMD/AAAAAABkAAAAMgAAAAAAAABkAAAAAAAAAH9/fwAKAAAAHwAAAFQAAAAAAAAFAAAAAQAAAAAAAAAAAAAAAAAAAAAAAAAAAAAAAAAAAAAAAAAAAAAAAn9/fwAAAAADzMzMAMDA/wB/f38AAAAAAAAAAAAAAAAAAAAAAAAAAAAhAAAAGAAAABQAAADQAgAAGycAAPAPAABZKQAAEAAAACYAAAAIAAAAAAAAAAAAAAA="/>
               </a:ext>
             </a:extLst>
           </p:cNvSpPr>
@@ -1426,7 +1426,7 @@
           <a:lstStyle/>
           <a:p>
             <a:pPr/>
-            <a:fld id="{1CA1BE03-4DF1-F448-BF19-BB1DF05749EE}" type="datetime1">
+            <a:fld id="{1CB557D7-99F1-E0A1-BF0D-6FF41943493A}" type="datetime1">
               <a:t/>
             </a:fld>
           </a:p>
@@ -1439,7 +1439,7 @@
             <a:spLocks noGrp="1" noChangeArrowheads="1"/>
             <a:extLst>
               <a:ext uri="smNativeData">
-                <pr:smNativeData xmlns:pr="smNativeData" val="SMDATA_13_B6msYxMAAAAlAAAAZAAAAA8BAAAAkAAAAEgAAACQAAAASAAAAAAAAAABAAAAAAAAAAEAAABQAAAAAAAAAAAA4D8AAAAAAADgPwAAAAAAAOA/AAAAAAAA4D8AAAAAAADgPwAAAAAAAOA/AAAAAAAA4D8AAAAAAADgPwAAAAAAAOA/AAAAAAAA4D8CAAAAjAAAAAAAAAAAAAAAu+DjDP///wgAAAAAAAAAAAAAAAAAAAAAAAAAAAAAAAAAAAAAZAAAAAEAAABAAAAAAAAAAAAAAAAAAAAAAAAAAAAAAAAAAAAAAAAAAAAAAAAAAAAAAAAAAAAAAAAAAAAAAAAAAAAAAAAAAAAAAAAAAAAAAAAAAAAAAAAAAAAAAAAAAAAAFAAAADwAAAAAAAAAAAAAAAAAAAkUAAAAAQAAABQAAAAUAAAAFAAAAAEAAAAAAAAAZAAAAGQAAAAAAAAAZAAAAGQAAAAVAAAAYAAAAAAAAAAAAAAADwAAACADAAAAAAAAAAAAAAEAAACgMgAAVgcAAKr4//8BAAAAf39/AAEAAABkAAAAAAAAABQAAABAHwAAAAAAACYAAAAAAAAAwOD//wAAAAAmAAAAZAAAABYAAABMAAAAAAAAAAAAAAAEAAAAAAAAAAEAAACAgIAKAAAAACgAAAAoAAAAZAAAAGQAAAAAAAAAzMzMAAAAAABQAAAAUAAAAGQAAABkAAAAAAAAABcAAAAUAAAAAAAAAAAAAAD/fwAA/38AAAAAAAAJAAAABAAAABMRBAAMAAAAEAAAAAAAAAAAAAAAAAAAAAAAAAAeAAAAaAAAAAAAAAAAAAAAAAAAAAAAAAAAAAAAECcAABAnAAAAAAAAAAAAAAAAAAAAAAAAAAAAAAAAAAAAAAAAAAAAABQAAAAAAAAAwMD/AAAAAABkAAAAMgAAAAAAAABkAAAAAAAAAH9/fwAKAAAAHwAAAFQAAAAAAAAFAAAAAQAAAAAAAAAAAAAAAAAAAAAAAAAAAAAAAAAAAAAAAAAAAAAAAn9/fwAAAAADzMzMAMDA/wB/f38AAAAAAAAAAAAAAAAAAAAAAAAAAAAhAAAAGAAAABQAAAA4EwAAGycAAAglAABZKQAAEAAAACYAAAAIAAAAAAAAAAAAAAA="/>
+                <pr:smNativeData xmlns:pr="smNativeData" val="SMDATA_13_Na6sYxMAAAAlAAAAZAAAAA8BAAAAkAAAAEgAAACQAAAASAAAAAAAAAABAAAAAAAAAAEAAABQAAAAAAAAAAAA4D8AAAAAAADgPwAAAAAAAOA/AAAAAAAA4D8AAAAAAADgPwAAAAAAAOA/AAAAAAAA4D8AAAAAAADgPwAAAAAAAOA/AAAAAAAA4D8CAAAAjAAAAAAAAAAAAAAAu+DjDP///wgAAAAAAAAAAAAAAAAAAAAAAAAAAAAAAAAAAAAAZAAAAAEAAABAAAAAAAAAAAAAAAAAAAAAAAAAAAAAAAAAAAAAAAAAAAAAAAAAAAAAAAAAAAAAAAAAAAAAAAAAAAAAAAAAAAAAAAAAAAAAAAAAAAAAAAAAAAAAAAAAAAAAFAAAADwAAAAAAAAAAAAAAAAAAAkUAAAAAQAAABQAAAAUAAAAFAAAAAEAAAAAAAAAZAAAAGQAAAAAAAAAZAAAAGQAAAAVAAAAYAAAAAAAAAAAAAAADwAAACADAAAAAAAAAAAAAAEAAACgMgAAVgcAAKr4//8BAAAAf39/AAEAAABkAAAAAAAAABQAAABAHwAAAAAAACYAAAAAAAAAwOD//wAAAAAmAAAAZAAAABYAAABMAAAAAAAAAAAAAAAEAAAAAAAAAAEAAACAgIAKAAAAACgAAAAoAAAAZAAAAGQAAAAAAAAAzMzMAAAAAABQAAAAUAAAAGQAAABkAAAAAAAAABcAAAAUAAAAAAAAAAAAAAD/fwAA/38AAAAAAAAJAAAABAAAABMRBAAMAAAAEAAAAAAAAAAAAAAAAAAAAAAAAAAeAAAAaAAAAAAAAAAAAAAAAAAAAAAAAAAAAAAAECcAABAnAAAAAAAAAAAAAAAAAAAAAAAAAAAAAAAAAAAAAAAAAAAAABQAAAAAAAAAwMD/AAAAAABkAAAAMgAAAAAAAABkAAAAAAAAAH9/fwAKAAAAHwAAAFQAAAAAAAAFAAAAAQAAAAAAAAAAAAAAAAAAAAAAAAAAAAAAAAAAAAAAAAAAAAAAAn9/fwAAAAADzMzMAMDA/wB/f38AAAAAAAAAAAAAAAAAAAAAAAAAAAAhAAAAGAAAABQAAAA4EwAAGycAAAglAABZKQAAEAAAACYAAAAIAAAAAAAAAAAAAAA="/>
               </a:ext>
             </a:extLst>
           </p:cNvSpPr>
@@ -1463,7 +1463,7 @@
             <a:spLocks noGrp="1" noChangeArrowheads="1"/>
             <a:extLst>
               <a:ext uri="smNativeData">
-                <pr:smNativeData xmlns:pr="smNativeData" val="SMDATA_13_B6msYxMAAAAlAAAAZAAAAA8BAAAAkAAAAEgAAACQAAAASAAAAAAAAAABAAAAAAAAAAEAAABQAAAAAAAAAAAA4D8AAAAAAADgPwAAAAAAAOA/AAAAAAAA4D8AAAAAAADgPwAAAAAAAOA/AAAAAAAA4D8AAAAAAADgPwAAAAAAAOA/AAAAAAAA4D8CAAAAjAAAAAAAAAAAAAAAu+DjDP///wgAAAAAAAAAAAAAAAAAAAAAAAAAAAAAAAAAAAAAZAAAAAEAAABAAAAAAAAAAAAAAAAAAAAAAAAAAAAAAAAAAAAAAAAAAAAAAAAAAAAAAAAAAAAAAAAAAAAAAAAAAAAAAAAAAAAAAAAAAAAAAAAAAAAAAAAAAAAAAAAAAAAAFAAAADwAAAAAAAAAAAAAAAAAAAkUAAAAAQAAABQAAAAUAAAAFAAAAAEAAAAAAAAAZAAAAGQAAAAAAAAAZAAAAGQAAAAVAAAAYAAAAAAAAAAAAAAADwAAACADAAAAAAAAAAAAAAEAAACgMgAAVgcAAKr4//8BAAAAf39/AAEAAABkAAAAAAAAABQAAABAHwAAAAAAACYAAAAAAAAAwOD//wAAAAAmAAAAZAAAABYAAABMAAAAAAAAAAAAAAAEAAAAAAAAAAEAAACAgIAKAAAAACgAAAAoAAAAZAAAAGQAAAAAAAAAzMzMAAAAAABQAAAAUAAAAGQAAABkAAAAAAAAABcAAAAUAAAAAAAAAAAAAAD/fwAA/38AAAAAAAAJAAAABAAAAL5dAwAMAAAAEAAAAAAAAAAAAAAAAAAAAAAAAAAeAAAAaAAAAAAAAAAAAAAAAAAAAAAAAAAAAAAAECcAABAnAAAAAAAAAAAAAAAAAAAAAAAAAAAAAAAAAAAAAAAAAAAAABQAAAAAAAAAwMD/AAAAAABkAAAAMgAAAAAAAABkAAAAAAAAAH9/fwAKAAAAHwAAAFQAAAAAAAAFAAAAAQAAAAAAAAAAAAAAAAAAAAAAAAAAAAAAAAAAAAAAAAAAAAAAAn9/fwAAAAADzMzMAMDA/wB/f38AAAAAAAAAAAAAAAAAAAAAAAAAAAAhAAAAGAAAABQAAABQKAAAGycAAHA1AABZKQAAEAAAACYAAAAIAAAAAAAAAAAAAAA="/>
+                <pr:smNativeData xmlns:pr="smNativeData" val="SMDATA_13_Na6sYxMAAAAlAAAAZAAAAA8BAAAAkAAAAEgAAACQAAAASAAAAAAAAAABAAAAAAAAAAEAAABQAAAAAAAAAAAA4D8AAAAAAADgPwAAAAAAAOA/AAAAAAAA4D8AAAAAAADgPwAAAAAAAOA/AAAAAAAA4D8AAAAAAADgPwAAAAAAAOA/AAAAAAAA4D8CAAAAjAAAAAAAAAAAAAAAu+DjDP///wgAAAAAAAAAAAAAAAAAAAAAAAAAAAAAAAAAAAAAZAAAAAEAAABAAAAAAAAAAAAAAAAAAAAAAAAAAAAAAAAAAAAAAAAAAAAAAAAAAAAAAAAAAAAAAAAAAAAAAAAAAAAAAAAAAAAAAAAAAAAAAAAAAAAAAAAAAAAAAAAAAAAAFAAAADwAAAAAAAAAAAAAAAAAAAkUAAAAAQAAABQAAAAUAAAAFAAAAAEAAAAAAAAAZAAAAGQAAAAAAAAAZAAAAGQAAAAVAAAAYAAAAAAAAAAAAAAADwAAACADAAAAAAAAAAAAAAEAAACgMgAAVgcAAKr4//8BAAAAf39/AAEAAABkAAAAAAAAABQAAABAHwAAAAAAACYAAAAAAAAAwOD//wAAAAAmAAAAZAAAABYAAABMAAAAAAAAAAAAAAAEAAAAAAAAAAEAAACAgIAKAAAAACgAAAAoAAAAZAAAAGQAAAAAAAAAzMzMAAAAAABQAAAAUAAAAGQAAABkAAAAAAAAABcAAAAUAAAAAAAAAAAAAAD/fwAA/38AAAAAAAAJAAAABAAAAL5dAwAMAAAAEAAAAAAAAAAAAAAAAAAAAAAAAAAeAAAAaAAAAAAAAAAAAAAAAAAAAAAAAAAAAAAAECcAABAnAAAAAAAAAAAAAAAAAAAAAAAAAAAAAAAAAAAAAAAAAAAAABQAAAAAAAAAwMD/AAAAAABkAAAAMgAAAAAAAABkAAAAAAAAAH9/fwAKAAAAHwAAAFQAAAAAAAAFAAAAAQAAAAAAAAAAAAAAAAAAAAAAAAAAAAAAAAAAAAAAAAAAAAAAAn9/fwAAAAADzMzMAMDA/wB/f38AAAAAAAAAAAAAAAAAAAAAAAAAAAAhAAAAGAAAABQAAABQKAAAGycAAHA1AABZKQAAEAAAACYAAAAIAAAAAAAAAAAAAAA="/>
               </a:ext>
             </a:extLst>
           </p:cNvSpPr>
@@ -1477,7 +1477,7 @@
           <a:lstStyle/>
           <a:p>
             <a:pPr/>
-            <a:fld id="{1CA1A304-4AF1-F455-BF19-BC00ED5749E9}" type="slidenum">
+            <a:fld id="{1CB53F12-5CF1-E0C9-BF0D-AA9C714349FF}" type="slidenum">
               <a:t/>
             </a:fld>
           </a:p>
@@ -1515,7 +1515,7 @@
             <a:spLocks noGrp="1" noChangeArrowheads="1"/>
             <a:extLst>
               <a:ext uri="smNativeData">
-                <pr:smNativeData xmlns:pr="smNativeData" val="SMDATA_13_B6msYxMAAAAlAAAAZAAAAA8BAAAAkAAAAEgAAACQAAAASAAAAAAAAAABAAAAAAAAAAEAAABQAAAAAAAAAAAA4D8AAAAAAADgPwAAAAAAAOA/AAAAAAAA4D8AAAAAAADgPwAAAAAAAOA/AAAAAAAA4D8AAAAAAADgPwAAAAAAAOA/AAAAAAAA4D8CAAAAjAAAAAAAAAAAAAAAu+DjDP///wgAAAAAAAAAAAAAAAAAAAAAAAAAAAAAAAAAAAAAZAAAAAEAAABAAAAAAAAAAAAAAAAAAAAAAAAAAAAAAAAAAAAAAAAAAAAAAAAAAAAAAAAAAAAAAAAAAAAAAAAAAAAAAAAAAAAAAAAAAAAAAAAAAAAAAAAAAAAAAAAAAAAAFAAAADwAAAAAAAAAAAAAAAAAAAkUAAAAAQAAABQAAAAUAAAAFAAAAAEAAAAAAAAAZAAAAGQAAAAAAAAAZAAAAGQAAAAVAAAAYAAAAAAAAAAAAAAADwAAACADAAAAAAAAAAAAAAEAAACgMgAAVgcAAKr4//8BAAAAf39/AAEAAABkAAAAAAAAABQAAABAHwAAAAAAACYAAAAAAAAAwOD//wAAAAAmAAAAZAAAABYAAABMAAAAAAAAAAAAAAAEAAAAAAAAAAEAAACAgIAKAAAAACgAAAAoAAAAZAAAAGQAAAAAAAAAzMzMAAAAAABQAAAAUAAAAGQAAABkAAAAAAAAABcAAAAUAAAAAAAAAAAAAAD/fwAA/38AAAAAAAAJAAAABAAAAAQAxWgMAAAAEAAAAAAAAAAAAAAAAAAAAAAAAAAeAAAAaAAAAAAAAAAAAAAAAAAAAAAAAAAAAAAAECcAABAnAAAAAAAAAAAAAAAAAAAAAAAAAAAAAAAAAAAAAAAAAAAAABQAAAAAAAAAwMD/AAAAAABkAAAAMgAAAAAAAABkAAAAAAAAAH9/fwAKAAAAHwAAAFQAAAAAAAAFAAAAAQAAAAAAAAAAAAAAAAAAAAAAAAAAAAAAAAAAAAAAAAAAAAAAAn9/fwAAAAADzMzMAMDA/wB/f38AAAAAAAAAAAAAAAAAAAAAAAAAAAAhAAAAGAAAABQAAADQAgAAsAEAAHA1AAC4CAAAEAAAACYAAAAIAAAAAAAAAAAAAAA="/>
+                <pr:smNativeData xmlns:pr="smNativeData" val="SMDATA_13_Na6sYxMAAAAlAAAAZAAAAA8BAAAAkAAAAEgAAACQAAAASAAAAAAAAAABAAAAAAAAAAEAAABQAAAAAAAAAAAA4D8AAAAAAADgPwAAAAAAAOA/AAAAAAAA4D8AAAAAAADgPwAAAAAAAOA/AAAAAAAA4D8AAAAAAADgPwAAAAAAAOA/AAAAAAAA4D8CAAAAjAAAAAAAAAAAAAAAu+DjDP///wgAAAAAAAAAAAAAAAAAAAAAAAAAAAAAAAAAAAAAZAAAAAEAAABAAAAAAAAAAAAAAAAAAAAAAAAAAAAAAAAAAAAAAAAAAAAAAAAAAAAAAAAAAAAAAAAAAAAAAAAAAAAAAAAAAAAAAAAAAAAAAAAAAAAAAAAAAAAAAAAAAAAAFAAAADwAAAAAAAAAAAAAAAAAAAkUAAAAAQAAABQAAAAUAAAAFAAAAAEAAAAAAAAAZAAAAGQAAAAAAAAAZAAAAGQAAAAVAAAAYAAAAAAAAAAAAAAADwAAACADAAAAAAAAAAAAAAEAAACgMgAAVgcAAKr4//8BAAAAf39/AAEAAABkAAAAAAAAABQAAABAHwAAAAAAACYAAAAAAAAAwOD//wAAAAAmAAAAZAAAABYAAABMAAAAAAAAAAAAAAAEAAAAAAAAAAEAAACAgIAKAAAAACgAAAAoAAAAZAAAAGQAAAAAAAAAzMzMAAAAAABQAAAAUAAAAGQAAABkAAAAAAAAABcAAAAUAAAAAAAAAAAAAAD/fwAA/38AAAAAAAAJAAAABAAAAAQAxWgMAAAAEAAAAAAAAAAAAAAAAAAAAAAAAAAeAAAAaAAAAAAAAAAAAAAAAAAAAAAAAAAAAAAAECcAABAnAAAAAAAAAAAAAAAAAAAAAAAAAAAAAAAAAAAAAAAAAAAAABQAAAAAAAAAwMD/AAAAAABkAAAAMgAAAAAAAABkAAAAAAAAAH9/fwAKAAAAHwAAAFQAAAAAAAAFAAAAAQAAAAAAAAAAAAAAAAAAAAAAAAAAAAAAAAAAAAAAAAAAAAAAAn9/fwAAAAADzMzMAMDA/wB/f38AAAAAAAAAAAAAAAAAAAAAAAAAAAAhAAAAGAAAABQAAADQAgAAsAEAAHA1AAC4CAAAEAAAACYAAAAIAAAAAAAAAAAAAAA="/>
               </a:ext>
             </a:extLst>
           </p:cNvSpPr>
@@ -1542,7 +1542,7 @@
             <a:spLocks noGrp="1" noChangeArrowheads="1"/>
             <a:extLst>
               <a:ext uri="smNativeData">
-                <pr:smNativeData xmlns:pr="smNativeData" val="SMDATA_13_B6msYxMAAAAlAAAAZAAAAA8BAAAAkAAAAEgAAACQAAAASAAAAAAAAAACAAAAAAAAAAEAAABQAAAAAAAAAAAA4D8AAAAAAADgPwAAAAAAAOA/AAAAAAAA4D8AAAAAAADgPwAAAAAAAOA/AAAAAAAA4D8AAAAAAADgPwAAAAAAAOA/AAAAAAAA4D8CAAAAjAAAAAAAAAAAAAAAu+DjDP///wgAAAAAAAAAAAAAAAAAAAAAAAAAAAAAAAAAAAAAZAAAAAEAAABAAAAAAAAAAAAAAAAAAAAAAAAAAAAAAAAAAAAAAAAAAAAAAAAAAAAAAAAAAAAAAAAAAAAAAAAAAAAAAAAAAAAAAAAAAAAAAAAAAAAAAAAAAAAAAAAAAAAAFAAAADwAAAAAAAAAAAAAAAAAAAkUAAAAAQAAABQAAAAUAAAAFAAAAAEAAAAAAAAAZAAAAGQAAAAAAAAAZAAAAGQAAAAVAAAAYAAAAAAAAAAAAAAADwAAACADAAAAAAAAAAAAAAEAAACgMgAAVgcAAKr4//8BAAAAf39/AAEAAABkAAAAAAAAABQAAABAHwAAAAAAACYAAAAAAAAAwOD//wAAAAAmAAAAZAAAABYAAABMAAAAAAAAAAAAAAAEAAAAAAAAAAEAAACAgIAKAAAAACgAAAAoAAAAZAAAAGQAAAAAAAAAzMzMAAAAAABQAAAAUAAAAGQAAABkAAAAAAAAABcAAAAUAAAAAAAAAAAAAAD/fwAA/38AAAAAAAAJAAAABAAAAAMAbkEMAAAAEAAAAAAAAAAAAAAAAAAAAAAAAAAeAAAAaAAAAAAAAAAAAAAAAAAAAAAAAAAAAAAAECcAABAnAAAAAAAAAAAAAAAAAAAAAAAAAAAAAAAAAAAAAAAAAAAAABQAAAAAAAAAwMD/AAAAAABkAAAAMgAAAAAAAABkAAAAAAAAAH9/fwAKAAAAHwAAAFQAAAAAAAAFAAAAAQAAAAAAAAAAAAAAAAAAAAAAAAAAAAAAAAAAAAAAAAAAAAAAAn9/fwAAAAADzMzMAMDA/wB/f38AAAAAAAAAAAAAAAAAAAAAAAAAAAAhAAAAGAAAABQAAADQAgAAcQkAAKobAABhDQAAEAAAACYAAAAIAAAAgYAAAAAAAAA="/>
+                <pr:smNativeData xmlns:pr="smNativeData" val="SMDATA_13_Na6sYxMAAAAlAAAAZAAAAA8BAAAAkAAAAEgAAACQAAAASAAAAAAAAAACAAAAAAAAAAEAAABQAAAAAAAAAAAA4D8AAAAAAADgPwAAAAAAAOA/AAAAAAAA4D8AAAAAAADgPwAAAAAAAOA/AAAAAAAA4D8AAAAAAADgPwAAAAAAAOA/AAAAAAAA4D8CAAAAjAAAAAAAAAAAAAAAu+DjDP///wgAAAAAAAAAAAAAAAAAAAAAAAAAAAAAAAAAAAAAZAAAAAEAAABAAAAAAAAAAAAAAAAAAAAAAAAAAAAAAAAAAAAAAAAAAAAAAAAAAAAAAAAAAAAAAAAAAAAAAAAAAAAAAAAAAAAAAAAAAAAAAAAAAAAAAAAAAAAAAAAAAAAAFAAAADwAAAAAAAAAAAAAAAAAAAkUAAAAAQAAABQAAAAUAAAAFAAAAAEAAAAAAAAAZAAAAGQAAAAAAAAAZAAAAGQAAAAVAAAAYAAAAAAAAAAAAAAADwAAACADAAAAAAAAAAAAAAEAAACgMgAAVgcAAKr4//8BAAAAf39/AAEAAABkAAAAAAAAABQAAABAHwAAAAAAACYAAAAAAAAAwOD//wAAAAAmAAAAZAAAABYAAABMAAAAAAAAAAAAAAAEAAAAAAAAAAEAAACAgIAKAAAAACgAAAAoAAAAZAAAAGQAAAAAAAAAzMzMAAAAAABQAAAAUAAAAGQAAABkAAAAAAAAABcAAAAUAAAAAAAAAAAAAAD/fwAA/38AAAAAAAAJAAAABAAAAAMAbkEMAAAAEAAAAAAAAAAAAAAAAAAAAAAAAAAeAAAAaAAAAAAAAAAAAAAAAAAAAAAAAAAAAAAAECcAABAnAAAAAAAAAAAAAAAAAAAAAAAAAAAAAAAAAAAAAAAAAAAAABQAAAAAAAAAwMD/AAAAAABkAAAAMgAAAAAAAABkAAAAAAAAAH9/fwAKAAAAHwAAAFQAAAAAAAAFAAAAAQAAAAAAAAAAAAAAAAAAAAAAAAAAAAAAAAAAAAAAAAAAAAAAAn9/fwAAAAADzMzMAMDA/wB/f38AAAAAAAAAAAAAAAAAAAAAAAAAAAAhAAAAGAAAABQAAADQAgAAcQkAAKobAABhDQAAEAAAACYAAAAIAAAAgYAAAAAAAAA="/>
               </a:ext>
             </a:extLst>
           </p:cNvSpPr>
@@ -1615,7 +1615,7 @@
             <a:spLocks noGrp="1" noChangeArrowheads="1"/>
             <a:extLst>
               <a:ext uri="smNativeData">
-                <pr:smNativeData xmlns:pr="smNativeData" val="SMDATA_13_B6msYxMAAAAlAAAAZAAAAA8BAAAAkAAAAEgAAACQAAAASAAAAAAAAAAAAAAAAAAAAAEAAABQAAAAAAAAAAAA4D8AAAAAAADgPwAAAAAAAOA/AAAAAAAA4D8AAAAAAADgPwAAAAAAAOA/AAAAAAAA4D8AAAAAAADgPwAAAAAAAOA/AAAAAAAA4D8CAAAAjAAAAAAAAAAAAAAAu+DjDP///wgAAAAAAAAAAAAAAAAAAAAAAAAAAAAAAAAAAAAAZAAAAAEAAABAAAAAAAAAAAAAAAAAAAAAAAAAAAAAAAAAAAAAAAAAAAAAAAAAAAAAAAAAAAAAAAAAAAAAAAAAAAAAAAAAAAAAAAAAAAAAAAAAAAAAAAAAAAAAAAAAAAAAFAAAADwAAAAAAAAAAAAAAAAAAAkUAAAAAQAAABQAAAAUAAAAFAAAAAEAAAAAAAAAZAAAAGQAAAAAAAAAZAAAAGQAAAAVAAAAYAAAAAAAAAAAAAAADwAAACADAAAAAAAAAAAAAAEAAACgMgAAVgcAAKr4//8BAAAAf39/AAEAAABkAAAAAAAAABQAAABAHwAAAAAAACYAAAAAAAAAwOD//wAAAAAmAAAAZAAAABYAAABMAAAAAAAAAAAAAAAEAAAAAAAAAAEAAACAgIAKAAAAACgAAAAoAAAAZAAAAGQAAAAAAAAAzMzMAAAAAABQAAAAUAAAAGQAAABkAAAAAAAAABcAAAAUAAAAAAAAAAAAAAD/fwAA/38AAAAAAAAJAAAABAAAAAMAhUEMAAAAEAAAAAAAAAAAAAAAAAAAAAAAAAAeAAAAaAAAAAAAAAAAAAAAAAAAAAAAAAAAAAAAECcAABAnAAAAAAAAAAAAAAAAAAAAAAAAAAAAAAAAAAAAAAAAAAAAABQAAAAAAAAAwMD/AAAAAABkAAAAMgAAAAAAAABkAAAAAAAAAH9/fwAKAAAAHwAAAFQAAAAAAAAFAAAAAQAAAAAAAAAAAAAAAAAAAAAAAAAAAAAAAAAAAAAAAAAAAAAAAn9/fwAAAAADzMzMAMDA/wB/f38AAAAAAAAAAAAAAAAAAAAAAAAAAAAhAAAAGAAAABQAAADQAgAAYQ0AAKobAACwJQAAEAAAACYAAAAIAAAAAYAAAAAAAAA="/>
+                <pr:smNativeData xmlns:pr="smNativeData" val="SMDATA_13_Na6sYxMAAAAlAAAAZAAAAA8BAAAAkAAAAEgAAACQAAAASAAAAAAAAAAAAAAAAAAAAAEAAABQAAAAAAAAAAAA4D8AAAAAAADgPwAAAAAAAOA/AAAAAAAA4D8AAAAAAADgPwAAAAAAAOA/AAAAAAAA4D8AAAAAAADgPwAAAAAAAOA/AAAAAAAA4D8CAAAAjAAAAAAAAAAAAAAAu+DjDP///wgAAAAAAAAAAAAAAAAAAAAAAAAAAAAAAAAAAAAAZAAAAAEAAABAAAAAAAAAAAAAAAAAAAAAAAAAAAAAAAAAAAAAAAAAAAAAAAAAAAAAAAAAAAAAAAAAAAAAAAAAAAAAAAAAAAAAAAAAAAAAAAAAAAAAAAAAAAAAAAAAAAAAFAAAADwAAAAAAAAAAAAAAAAAAAkUAAAAAQAAABQAAAAUAAAAFAAAAAEAAAAAAAAAZAAAAGQAAAAAAAAAZAAAAGQAAAAVAAAAYAAAAAAAAAAAAAAADwAAACADAAAAAAAAAAAAAAEAAACgMgAAVgcAAKr4//8BAAAAf39/AAEAAABkAAAAAAAAABQAAABAHwAAAAAAACYAAAAAAAAAwOD//wAAAAAmAAAAZAAAABYAAABMAAAAAAAAAAAAAAAEAAAAAAAAAAEAAACAgIAKAAAAACgAAAAoAAAAZAAAAGQAAAAAAAAAzMzMAAAAAABQAAAAUAAAAGQAAABkAAAAAAAAABcAAAAUAAAAAAAAAAAAAAD/fwAA/38AAAAAAAAJAAAABAAAAAMAhUEMAAAAEAAAAAAAAAAAAAAAAAAAAAAAAAAeAAAAaAAAAAAAAAAAAAAAAAAAAAAAAAAAAAAAECcAABAnAAAAAAAAAAAAAAAAAAAAAAAAAAAAAAAAAAAAAAAAAAAAABQAAAAAAAAAwMD/AAAAAABkAAAAMgAAAAAAAABkAAAAAAAAAH9/fwAKAAAAHwAAAFQAAAAAAAAFAAAAAQAAAAAAAAAAAAAAAAAAAAAAAAAAAAAAAAAAAAAAAAAAAAAAAn9/fwAAAAADzMzMAMDA/wB/f38AAAAAAAAAAAAAAAAAAAAAAAAAAAAhAAAAGAAAABQAAADQAgAAYQ0AAKobAACwJQAAEAAAACYAAAAIAAAAAYAAAAAAAAA="/>
               </a:ext>
             </a:extLst>
           </p:cNvSpPr>
@@ -1699,7 +1699,7 @@
             <a:spLocks noGrp="1" noChangeArrowheads="1"/>
             <a:extLst>
               <a:ext uri="smNativeData">
-                <pr:smNativeData xmlns:pr="smNativeData" val="SMDATA_13_B6msYxMAAAAlAAAAZAAAAA8BAAAAkAAAAEgAAACQAAAASAAAAAAAAAACAAAAAAAAAAEAAABQAAAAAAAAAAAA4D8AAAAAAADgPwAAAAAAAOA/AAAAAAAA4D8AAAAAAADgPwAAAAAAAOA/AAAAAAAA4D8AAAAAAADgPwAAAAAAAOA/AAAAAAAA4D8CAAAAjAAAAAAAAAAAAAAAu+DjDP///wgAAAAAAAAAAAAAAAAAAAAAAAAAAAAAAAAAAAAAZAAAAAEAAABAAAAAAAAAAAAAAAAAAAAAAAAAAAAAAAAAAAAAAAAAAAAAAAAAAAAAAAAAAAAAAAAAAAAAAAAAAAAAAAAAAAAAAAAAAAAAAAAAAAAAAAAAAAAAAAAAAAAAFAAAADwAAAAAAAAAAAAAAAAAAAkUAAAAAQAAABQAAAAUAAAAFAAAAAEAAAAAAAAAZAAAAGQAAAAAAAAAZAAAAGQAAAAVAAAAYAAAAAAAAAAAAAAADwAAACADAAAAAAAAAAAAAAEAAACgMgAAVgcAAKr4//8BAAAAf39/AAEAAABkAAAAAAAAABQAAABAHwAAAAAAACYAAAAAAAAAwOD//wAAAAAmAAAAZAAAABYAAABMAAAAAAAAAAAAAAAEAAAAAAAAAAEAAACAgIAKAAAAACgAAAAoAAAAZAAAAGQAAAAAAAAAzMzMAAAAAABQAAAAUAAAAGQAAABkAAAAAAAAABcAAAAUAAAAAAAAAAAAAAD/fwAA/38AAAAAAAAJAAAABAAAAOOYAwAMAAAAEAAAAAAAAAAAAAAAAAAAAAAAAAAeAAAAaAAAAAAAAAAAAAAAAAAAAAAAAAAAAAAAECcAABAnAAAAAAAAAAAAAAAAAAAAAAAAAAAAAAAAAAAAAAAAAAAAABQAAAAAAAAAwMD/AAAAAABkAAAAMgAAAAAAAABkAAAAAAAAAH9/fwAKAAAAHwAAAFQAAAAAAAAFAAAAAQAAAAAAAAAAAAAAAAAAAAAAAAAAAAAAAAAAAAAAAAAAAAAAAn9/fwAAAAADzMzMAMDA/wB/f38AAAAAAAAAAAAAAAAAAAAAAAAAAAAhAAAAGAAAABQAAACWHAAAcQkAAHA1AABhDQAAEAAAACYAAAAIAAAAgYAAAAAAAAA="/>
+                <pr:smNativeData xmlns:pr="smNativeData" val="SMDATA_13_Na6sYxMAAAAlAAAAZAAAAA8BAAAAkAAAAEgAAACQAAAASAAAAAAAAAACAAAAAAAAAAEAAABQAAAAAAAAAAAA4D8AAAAAAADgPwAAAAAAAOA/AAAAAAAA4D8AAAAAAADgPwAAAAAAAOA/AAAAAAAA4D8AAAAAAADgPwAAAAAAAOA/AAAAAAAA4D8CAAAAjAAAAAAAAAAAAAAAu+DjDP///wgAAAAAAAAAAAAAAAAAAAAAAAAAAAAAAAAAAAAAZAAAAAEAAABAAAAAAAAAAAAAAAAAAAAAAAAAAAAAAAAAAAAAAAAAAAAAAAAAAAAAAAAAAAAAAAAAAAAAAAAAAAAAAAAAAAAAAAAAAAAAAAAAAAAAAAAAAAAAAAAAAAAAFAAAADwAAAAAAAAAAAAAAAAAAAkUAAAAAQAAABQAAAAUAAAAFAAAAAEAAAAAAAAAZAAAAGQAAAAAAAAAZAAAAGQAAAAVAAAAYAAAAAAAAAAAAAAADwAAACADAAAAAAAAAAAAAAEAAACgMgAAVgcAAKr4//8BAAAAf39/AAEAAABkAAAAAAAAABQAAABAHwAAAAAAACYAAAAAAAAAwOD//wAAAAAmAAAAZAAAABYAAABMAAAAAAAAAAAAAAAEAAAAAAAAAAEAAACAgIAKAAAAACgAAAAoAAAAZAAAAGQAAAAAAAAAzMzMAAAAAABQAAAAUAAAAGQAAABkAAAAAAAAABcAAAAUAAAAAAAAAAAAAAD/fwAA/38AAAAAAAAJAAAABAAAAOOYAwAMAAAAEAAAAAAAAAAAAAAAAAAAAAAAAAAeAAAAaAAAAAAAAAAAAAAAAAAAAAAAAAAAAAAAECcAABAnAAAAAAAAAAAAAAAAAAAAAAAAAAAAAAAAAAAAAAAAAAAAABQAAAAAAAAAwMD/AAAAAABkAAAAMgAAAAAAAABkAAAAAAAAAH9/fwAKAAAAHwAAAFQAAAAAAAAFAAAAAQAAAAAAAAAAAAAAAAAAAAAAAAAAAAAAAAAAAAAAAAAAAAAAAn9/fwAAAAADzMzMAMDA/wB/f38AAAAAAAAAAAAAAAAAAAAAAAAAAAAhAAAAGAAAABQAAACWHAAAcQkAAHA1AABhDQAAEAAAACYAAAAIAAAAgYAAAAAAAAA="/>
               </a:ext>
             </a:extLst>
           </p:cNvSpPr>
@@ -1772,7 +1772,7 @@
             <a:spLocks noGrp="1" noChangeArrowheads="1"/>
             <a:extLst>
               <a:ext uri="smNativeData">
-                <pr:smNativeData xmlns:pr="smNativeData" val="SMDATA_13_B6msYxMAAAAlAAAAZAAAAA8BAAAAkAAAAEgAAACQAAAASAAAAAAAAAAAAAAAAAAAAAEAAABQAAAAAAAAAAAA4D8AAAAAAADgPwAAAAAAAOA/AAAAAAAA4D8AAAAAAADgPwAAAAAAAOA/AAAAAAAA4D8AAAAAAADgPwAAAAAAAOA/AAAAAAAA4D8CAAAAjAAAAAAAAAAAAAAAu+DjDP///wgAAAAAAAAAAAAAAAAAAAAAAAAAAAAAAAAAAAAAZAAAAAEAAABAAAAAAAAAAAAAAAAAAAAAAAAAAAAAAAAAAAAAAAAAAAAAAAAAAAAAAAAAAAAAAAAAAAAAAAAAAAAAAAAAAAAAAAAAAAAAAAAAAAAAAAAAAAAAAAAAAAAAFAAAADwAAAAAAAAAAAAAAAAAAAkUAAAAAQAAABQAAAAUAAAAFAAAAAEAAAAAAAAAZAAAAGQAAAAAAAAAZAAAAGQAAAAVAAAAYAAAAAAAAAAAAAAADwAAACADAAAAAAAAAAAAAAEAAACgMgAAVgcAAKr4//8BAAAAf39/AAEAAABkAAAAAAAAABQAAABAHwAAAAAAACYAAAAAAAAAwOD//wAAAAAmAAAAZAAAABYAAABMAAAAAAAAAAAAAAAEAAAAAAAAAAEAAACAgIAKAAAAACgAAAAoAAAAZAAAAGQAAAAAAAAAzMzMAAAAAABQAAAAUAAAAGQAAABkAAAAAAAAABcAAAAUAAAAAAAAAAAAAAD/fwAA/38AAAAAAAAJAAAABAAAAAMAjgwMAAAAEAAAAAAAAAAAAAAAAAAAAAAAAAAeAAAAaAAAAAAAAAAAAAAAAAAAAAAAAAAAAAAAECcAABAnAAAAAAAAAAAAAAAAAAAAAAAAAAAAAAAAAAAAAAAAAAAAABQAAAAAAAAAwMD/AAAAAABkAAAAMgAAAAAAAABkAAAAAAAAAH9/fwAKAAAAHwAAAFQAAAAAAAAFAAAAAQAAAAAAAAAAAAAAAAAAAAAAAAAAAAAAAAAAAAAAAAAAAAAAAn9/fwAAAAADzMzMAMDA/wB/f38AAAAAAAAAAAAAAAAAAAAAAAAAAAAhAAAAGAAAABQAAACWHAAAYQ0AAHA1AACwJQAAEAAAACYAAAAIAAAAAYAAAAAAAAA="/>
+                <pr:smNativeData xmlns:pr="smNativeData" val="SMDATA_13_Na6sYxMAAAAlAAAAZAAAAA8BAAAAkAAAAEgAAACQAAAASAAAAAAAAAAAAAAAAAAAAAEAAABQAAAAAAAAAAAA4D8AAAAAAADgPwAAAAAAAOA/AAAAAAAA4D8AAAAAAADgPwAAAAAAAOA/AAAAAAAA4D8AAAAAAADgPwAAAAAAAOA/AAAAAAAA4D8CAAAAjAAAAAAAAAAAAAAAu+DjDP///wgAAAAAAAAAAAAAAAAAAAAAAAAAAAAAAAAAAAAAZAAAAAEAAABAAAAAAAAAAAAAAAAAAAAAAAAAAAAAAAAAAAAAAAAAAAAAAAAAAAAAAAAAAAAAAAAAAAAAAAAAAAAAAAAAAAAAAAAAAAAAAAAAAAAAAAAAAAAAAAAAAAAAFAAAADwAAAAAAAAAAAAAAAAAAAkUAAAAAQAAABQAAAAUAAAAFAAAAAEAAAAAAAAAZAAAAGQAAAAAAAAAZAAAAGQAAAAVAAAAYAAAAAAAAAAAAAAADwAAACADAAAAAAAAAAAAAAEAAACgMgAAVgcAAKr4//8BAAAAf39/AAEAAABkAAAAAAAAABQAAABAHwAAAAAAACYAAAAAAAAAwOD//wAAAAAmAAAAZAAAABYAAABMAAAAAAAAAAAAAAAEAAAAAAAAAAEAAACAgIAKAAAAACgAAAAoAAAAZAAAAGQAAAAAAAAAzMzMAAAAAABQAAAAUAAAAGQAAABkAAAAAAAAABcAAAAUAAAAAAAAAAAAAAD/fwAA/38AAAAAAAAJAAAABAAAAAMAjgwMAAAAEAAAAAAAAAAAAAAAAAAAAAAAAAAeAAAAaAAAAAAAAAAAAAAAAAAAAAAAAAAAAAAAECcAABAnAAAAAAAAAAAAAAAAAAAAAAAAAAAAAAAAAAAAAAAAAAAAABQAAAAAAAAAwMD/AAAAAABkAAAAMgAAAAAAAABkAAAAAAAAAH9/fwAKAAAAHwAAAFQAAAAAAAAFAAAAAQAAAAAAAAAAAAAAAAAAAAAAAAAAAAAAAAAAAAAAAAAAAAAAAn9/fwAAAAADzMzMAMDA/wB/f38AAAAAAAAAAAAAAAAAAAAAAAAAAAAhAAAAGAAAABQAAACWHAAAYQ0AAHA1AACwJQAAEAAAACYAAAAIAAAAAYAAAAAAAAA="/>
               </a:ext>
             </a:extLst>
           </p:cNvSpPr>
@@ -1856,7 +1856,7 @@
             <a:spLocks noGrp="1" noChangeArrowheads="1"/>
             <a:extLst>
               <a:ext uri="smNativeData">
-                <pr:smNativeData xmlns:pr="smNativeData" val="SMDATA_13_B6msYxMAAAAlAAAAZAAAAA8BAAAAkAAAAEgAAACQAAAASAAAAAAAAAABAAAAAAAAAAEAAABQAAAAAAAAAAAA4D8AAAAAAADgPwAAAAAAAOA/AAAAAAAA4D8AAAAAAADgPwAAAAAAAOA/AAAAAAAA4D8AAAAAAADgPwAAAAAAAOA/AAAAAAAA4D8CAAAAjAAAAAAAAAAAAAAAu+DjDP///wgAAAAAAAAAAAAAAAAAAAAAAAAAAAAAAAAAAAAAZAAAAAEAAABAAAAAAAAAAAAAAAAAAAAAAAAAAAAAAAAAAAAAAAAAAAAAAAAAAAAAAAAAAAAAAAAAAAAAAAAAAAAAAAAAAAAAAAAAAAAAAAAAAAAAAAAAAAAAAAAAAAAAFAAAADwAAAAAAAAAAAAAAAAAAAkUAAAAAQAAABQAAAAUAAAAFAAAAAEAAAAAAAAAZAAAAGQAAAAAAAAAZAAAAGQAAAAVAAAAYAAAAAAAAAAAAAAADwAAACADAAAAAAAAAAAAAAEAAACgMgAAVgcAAKr4//8BAAAAf39/AAEAAABkAAAAAAAAABQAAABAHwAAAAAAACYAAAAAAAAAwOD//wAAAAAmAAAAZAAAABYAAABMAAAAAAAAAAAAAAAEAAAAAAAAAAEAAACAgIAKAAAAACgAAAAoAAAAZAAAAGQAAAAAAAAAzMzMAAAAAABQAAAAUAAAAGQAAABkAAAAAAAAABcAAAAUAAAAAAAAAAAAAAD/fwAA/38AAAAAAAAJAAAABAAAAM9Aa2gMAAAAEAAAAAAAAAAAAAAAAAAAAAAAAAAeAAAAaAAAAAAAAAAAAAAAAAAAAAAAAAAAAAAAECcAABAnAAAAAAAAAAAAAAAAAAAAAAAAAAAAAAAAAAAAAAAAAAAAABQAAAAAAAAAwMD/AAAAAABkAAAAMgAAAAAAAABkAAAAAAAAAH9/fwAKAAAAHwAAAFQAAAAAAAAFAAAAAQAAAAAAAAAAAAAAAAAAAAAAAAAAAAAAAAAAAAAAAAAAAAAAAn9/fwAAAAADzMzMAMDA/wB/f38AAAAAAAAAAAAAAAAAAAAAAAAAAAAhAAAAGAAAABQAAADQAgAAGycAAPAPAABZKQAAEAAAACYAAAAIAAAAAAAAAAAAAAA="/>
+                <pr:smNativeData xmlns:pr="smNativeData" val="SMDATA_13_Na6sYxMAAAAlAAAAZAAAAA8BAAAAkAAAAEgAAACQAAAASAAAAAAAAAABAAAAAAAAAAEAAABQAAAAAAAAAAAA4D8AAAAAAADgPwAAAAAAAOA/AAAAAAAA4D8AAAAAAADgPwAAAAAAAOA/AAAAAAAA4D8AAAAAAADgPwAAAAAAAOA/AAAAAAAA4D8CAAAAjAAAAAAAAAAAAAAAu+DjDP///wgAAAAAAAAAAAAAAAAAAAAAAAAAAAAAAAAAAAAAZAAAAAEAAABAAAAAAAAAAAAAAAAAAAAAAAAAAAAAAAAAAAAAAAAAAAAAAAAAAAAAAAAAAAAAAAAAAAAAAAAAAAAAAAAAAAAAAAAAAAAAAAAAAAAAAAAAAAAAAAAAAAAAFAAAADwAAAAAAAAAAAAAAAAAAAkUAAAAAQAAABQAAAAUAAAAFAAAAAEAAAAAAAAAZAAAAGQAAAAAAAAAZAAAAGQAAAAVAAAAYAAAAAAAAAAAAAAADwAAACADAAAAAAAAAAAAAAEAAACgMgAAVgcAAKr4//8BAAAAf39/AAEAAABkAAAAAAAAABQAAABAHwAAAAAAACYAAAAAAAAAwOD//wAAAAAmAAAAZAAAABYAAABMAAAAAAAAAAAAAAAEAAAAAAAAAAEAAACAgIAKAAAAACgAAAAoAAAAZAAAAGQAAAAAAAAAzMzMAAAAAABQAAAAUAAAAGQAAABkAAAAAAAAABcAAAAUAAAAAAAAAAAAAAD/fwAA/38AAAAAAAAJAAAABAAAAM9Aa2gMAAAAEAAAAAAAAAAAAAAAAAAAAAAAAAAeAAAAaAAAAAAAAAAAAAAAAAAAAAAAAAAAAAAAECcAABAnAAAAAAAAAAAAAAAAAAAAAAAAAAAAAAAAAAAAAAAAAAAAABQAAAAAAAAAwMD/AAAAAABkAAAAMgAAAAAAAABkAAAAAAAAAH9/fwAKAAAAHwAAAFQAAAAAAAAFAAAAAQAAAAAAAAAAAAAAAAAAAAAAAAAAAAAAAAAAAAAAAAAAAAAAAn9/fwAAAAADzMzMAMDA/wB/f38AAAAAAAAAAAAAAAAAAAAAAAAAAAAhAAAAGAAAABQAAADQAgAAGycAAPAPAABZKQAAEAAAACYAAAAIAAAAAAAAAAAAAAA="/>
               </a:ext>
             </a:extLst>
           </p:cNvSpPr>
@@ -1870,7 +1870,7 @@
           <a:lstStyle/>
           <a:p>
             <a:pPr/>
-            <a:fld id="{1CA1D84F-01F1-F42E-BF19-F77B965749A2}" type="datetime1">
+            <a:fld id="{1CB52C52-1CF1-E0DA-BF0D-EA8F624349BF}" type="datetime1">
               <a:t/>
             </a:fld>
           </a:p>
@@ -1883,7 +1883,7 @@
             <a:spLocks noGrp="1" noChangeArrowheads="1"/>
             <a:extLst>
               <a:ext uri="smNativeData">
-                <pr:smNativeData xmlns:pr="smNativeData" val="SMDATA_13_B6msYxMAAAAlAAAAZAAAAA8BAAAAkAAAAEgAAACQAAAASAAAAAAAAAABAAAAAAAAAAEAAABQAAAAAAAAAAAA4D8AAAAAAADgPwAAAAAAAOA/AAAAAAAA4D8AAAAAAADgPwAAAAAAAOA/AAAAAAAA4D8AAAAAAADgPwAAAAAAAOA/AAAAAAAA4D8CAAAAjAAAAAAAAAAAAAAAu+DjDP///wgAAAAAAAAAAAAAAAAAAAAAAAAAAAAAAAAAAAAAZAAAAAEAAABAAAAAAAAAAAAAAAAAAAAAAAAAAAAAAAAAAAAAAAAAAAAAAAAAAAAAAAAAAAAAAAAAAAAAAAAAAAAAAAAAAAAAAAAAAAAAAAAAAAAAAAAAAAAAAAAAAAAAFAAAADwAAAAAAAAAAAAAAAAAAAkUAAAAAQAAABQAAAAUAAAAFAAAAAEAAAAAAAAAZAAAAGQAAAAAAAAAZAAAAGQAAAAVAAAAYAAAAAAAAAAAAAAADwAAACADAAAAAAAAAAAAAAEAAACgMgAAVgcAAKr4//8BAAAAf39/AAEAAABkAAAAAAAAABQAAABAHwAAAAAAACYAAAAAAAAAwOD//wAAAAAmAAAAZAAAABYAAABMAAAAAAAAAAAAAAAEAAAAAAAAAAEAAACAgIAKAAAAACgAAAAoAAAAZAAAAGQAAAAAAAAAzMzMAAAAAABQAAAAUAAAAGQAAABkAAAAAAAAABcAAAAUAAAAAAAAAAAAAAD/fwAA/38AAAAAAAAJAAAABAAAAHJ+AwAMAAAAEAAAAAAAAAAAAAAAAAAAAAAAAAAeAAAAaAAAAAAAAAAAAAAAAAAAAAAAAAAAAAAAECcAABAnAAAAAAAAAAAAAAAAAAAAAAAAAAAAAAAAAAAAAAAAAAAAABQAAAAAAAAAwMD/AAAAAABkAAAAMgAAAAAAAABkAAAAAAAAAH9/fwAKAAAAHwAAAFQAAAAAAAAFAAAAAQAAAAAAAAAAAAAAAAAAAAAAAAAAAAAAAAAAAAAAAAAAAAAAAn9/fwAAAAADzMzMAMDA/wB/f38AAAAAAAAAAAAAAAAAAAAAAAAAAAAhAAAAGAAAABQAAAA4EwAAGycAAAglAABZKQAAEAAAACYAAAAIAAAAAAAAAAAAAAA="/>
+                <pr:smNativeData xmlns:pr="smNativeData" val="SMDATA_13_Na6sYxMAAAAlAAAAZAAAAA8BAAAAkAAAAEgAAACQAAAASAAAAAAAAAABAAAAAAAAAAEAAABQAAAAAAAAAAAA4D8AAAAAAADgPwAAAAAAAOA/AAAAAAAA4D8AAAAAAADgPwAAAAAAAOA/AAAAAAAA4D8AAAAAAADgPwAAAAAAAOA/AAAAAAAA4D8CAAAAjAAAAAAAAAAAAAAAu+DjDP///wgAAAAAAAAAAAAAAAAAAAAAAAAAAAAAAAAAAAAAZAAAAAEAAABAAAAAAAAAAAAAAAAAAAAAAAAAAAAAAAAAAAAAAAAAAAAAAAAAAAAAAAAAAAAAAAAAAAAAAAAAAAAAAAAAAAAAAAAAAAAAAAAAAAAAAAAAAAAAAAAAAAAAFAAAADwAAAAAAAAAAAAAAAAAAAkUAAAAAQAAABQAAAAUAAAAFAAAAAEAAAAAAAAAZAAAAGQAAAAAAAAAZAAAAGQAAAAVAAAAYAAAAAAAAAAAAAAADwAAACADAAAAAAAAAAAAAAEAAACgMgAAVgcAAKr4//8BAAAAf39/AAEAAABkAAAAAAAAABQAAABAHwAAAAAAACYAAAAAAAAAwOD//wAAAAAmAAAAZAAAABYAAABMAAAAAAAAAAAAAAAEAAAAAAAAAAEAAACAgIAKAAAAACgAAAAoAAAAZAAAAGQAAAAAAAAAzMzMAAAAAABQAAAAUAAAAGQAAABkAAAAAAAAABcAAAAUAAAAAAAAAAAAAAD/fwAA/38AAAAAAAAJAAAABAAAAHJ+AwAMAAAAEAAAAAAAAAAAAAAAAAAAAAAAAAAeAAAAaAAAAAAAAAAAAAAAAAAAAAAAAAAAAAAAECcAABAnAAAAAAAAAAAAAAAAAAAAAAAAAAAAAAAAAAAAAAAAAAAAABQAAAAAAAAAwMD/AAAAAABkAAAAMgAAAAAAAABkAAAAAAAAAH9/fwAKAAAAHwAAAFQAAAAAAAAFAAAAAQAAAAAAAAAAAAAAAAAAAAAAAAAAAAAAAAAAAAAAAAAAAAAAAn9/fwAAAAADzMzMAMDA/wB/f38AAAAAAAAAAAAAAAAAAAAAAAAAAAAhAAAAGAAAABQAAAA4EwAAGycAAAglAABZKQAAEAAAACYAAAAIAAAAAAAAAAAAAAA="/>
               </a:ext>
             </a:extLst>
           </p:cNvSpPr>
@@ -1907,7 +1907,7 @@
             <a:spLocks noGrp="1" noChangeArrowheads="1"/>
             <a:extLst>
               <a:ext uri="smNativeData">
-                <pr:smNativeData xmlns:pr="smNativeData" val="SMDATA_13_B6msYxMAAAAlAAAAZAAAAA8BAAAAkAAAAEgAAACQAAAASAAAAAAAAAABAAAAAAAAAAEAAABQAAAAAAAAAAAA4D8AAAAAAADgPwAAAAAAAOA/AAAAAAAA4D8AAAAAAADgPwAAAAAAAOA/AAAAAAAA4D8AAAAAAADgPwAAAAAAAOA/AAAAAAAA4D8CAAAAjAAAAAAAAAAAAAAAu+DjDP///wgAAAAAAAAAAAAAAAAAAAAAAAAAAAAAAAAAAAAAZAAAAAEAAABAAAAAAAAAAAAAAAAAAAAAAAAAAAAAAAAAAAAAAAAAAAAAAAAAAAAAAAAAAAAAAAAAAAAAAAAAAAAAAAAAAAAAAAAAAAAAAAAAAAAAAAAAAAAAAAAAAAAAFAAAADwAAAAAAAAAAAAAAAAAAAkUAAAAAQAAABQAAAAUAAAAFAAAAAEAAAAAAAAAZAAAAGQAAAAAAAAAZAAAAGQAAAAVAAAAYAAAAAAAAAAAAAAADwAAACADAAAAAAAAAAAAAAEAAACgMgAAVgcAAKr4//8BAAAAf39/AAEAAABkAAAAAAAAABQAAABAHwAAAAAAACYAAAAAAAAAwOD//wAAAAAmAAAAZAAAABYAAABMAAAAAAAAAAAAAAAEAAAAAAAAAAEAAACAgIAKAAAAACgAAAAoAAAAZAAAAGQAAAAAAAAAzMzMAAAAAABQAAAAUAAAAGQAAABkAAAAAAAAABcAAAAUAAAAAAAAAAAAAAD/fwAA/38AAAAAAAAJAAAABAAAAKVGcaEMAAAAEAAAAAAAAAAAAAAAAAAAAAAAAAAeAAAAaAAAAAAAAAAAAAAAAAAAAAAAAAAAAAAAECcAABAnAAAAAAAAAAAAAAAAAAAAAAAAAAAAAAAAAAAAAAAAAAAAABQAAAAAAAAAwMD/AAAAAABkAAAAMgAAAAAAAABkAAAAAAAAAH9/fwAKAAAAHwAAAFQAAAAAAAAFAAAAAQAAAAAAAAAAAAAAAAAAAAAAAAAAAAAAAAAAAAAAAAAAAAAAAn9/fwAAAAADzMzMAMDA/wB/f38AAAAAAAAAAAAAAAAAAAAAAAAAAAAhAAAAGAAAABQAAABQKAAAGycAAHA1AABZKQAAEAAAACYAAAAIAAAAAAAAAAAAAAA="/>
+                <pr:smNativeData xmlns:pr="smNativeData" val="SMDATA_13_Na6sYxMAAAAlAAAAZAAAAA8BAAAAkAAAAEgAAACQAAAASAAAAAAAAAABAAAAAAAAAAEAAABQAAAAAAAAAAAA4D8AAAAAAADgPwAAAAAAAOA/AAAAAAAA4D8AAAAAAADgPwAAAAAAAOA/AAAAAAAA4D8AAAAAAADgPwAAAAAAAOA/AAAAAAAA4D8CAAAAjAAAAAAAAAAAAAAAu+DjDP///wgAAAAAAAAAAAAAAAAAAAAAAAAAAAAAAAAAAAAAZAAAAAEAAABAAAAAAAAAAAAAAAAAAAAAAAAAAAAAAAAAAAAAAAAAAAAAAAAAAAAAAAAAAAAAAAAAAAAAAAAAAAAAAAAAAAAAAAAAAAAAAAAAAAAAAAAAAAAAAAAAAAAAFAAAADwAAAAAAAAAAAAAAAAAAAkUAAAAAQAAABQAAAAUAAAAFAAAAAEAAAAAAAAAZAAAAGQAAAAAAAAAZAAAAGQAAAAVAAAAYAAAAAAAAAAAAAAADwAAACADAAAAAAAAAAAAAAEAAACgMgAAVgcAAKr4//8BAAAAf39/AAEAAABkAAAAAAAAABQAAABAHwAAAAAAACYAAAAAAAAAwOD//wAAAAAmAAAAZAAAABYAAABMAAAAAAAAAAAAAAAEAAAAAAAAAAEAAACAgIAKAAAAACgAAAAoAAAAZAAAAGQAAAAAAAAAzMzMAAAAAABQAAAAUAAAAGQAAABkAAAAAAAAABcAAAAUAAAAAAAAAAAAAAD/fwAA/38AAAAAAAAJAAAABAAAAKVGcaEMAAAAEAAAAAAAAAAAAAAAAAAAAAAAAAAeAAAAaAAAAAAAAAAAAAAAAAAAAAAAAAAAAAAAECcAABAnAAAAAAAAAAAAAAAAAAAAAAAAAAAAAAAAAAAAAAAAAAAAABQAAAAAAAAAwMD/AAAAAABkAAAAMgAAAAAAAABkAAAAAAAAAH9/fwAKAAAAHwAAAFQAAAAAAAAFAAAAAQAAAAAAAAAAAAAAAAAAAAAAAAAAAAAAAAAAAAAAAAAAAAAAAn9/fwAAAAADzMzMAMDA/wB/f38AAAAAAAAAAAAAAAAAAAAAAAAAAAAhAAAAGAAAABQAAABQKAAAGycAAHA1AABZKQAAEAAAACYAAAAIAAAAAAAAAAAAAAA="/>
               </a:ext>
             </a:extLst>
           </p:cNvSpPr>
@@ -1921,7 +1921,7 @@
           <a:lstStyle/>
           <a:p>
             <a:pPr/>
-            <a:fld id="{1CA18626-68F1-F470-BF19-9E25C85749CB}" type="slidenum">
+            <a:fld id="{1CB56D6F-21F1-E09B-BF0D-D7CE23434982}" type="slidenum">
               <a:t/>
             </a:fld>
           </a:p>
@@ -1959,7 +1959,7 @@
             <a:spLocks noGrp="1" noChangeArrowheads="1"/>
             <a:extLst>
               <a:ext uri="smNativeData">
-                <pr:smNativeData xmlns:pr="smNativeData" val="SMDATA_13_B6msYxMAAAAlAAAAZAAAAA8BAAAAkAAAAEgAAACQAAAASAAAAAAAAAABAAAAAAAAAAEAAABQAAAAAAAAAAAA4D8AAAAAAADgPwAAAAAAAOA/AAAAAAAA4D8AAAAAAADgPwAAAAAAAOA/AAAAAAAA4D8AAAAAAADgPwAAAAAAAOA/AAAAAAAA4D8CAAAAjAAAAAAAAAAAAAAAu+DjDP///wgAAAAAAAAAAAAAAAAAAAAAAAAAAAAAAAAAAAAAZAAAAAEAAABAAAAAAAAAAAAAAAAAAAAAAAAAAAAAAAAAAAAAAAAAAAAAAAAAAAAAAAAAAAAAAAAAAAAAAAAAAAAAAAAAAAAAAAAAAAAAAAAAAAAAAAAAAAAAAAAAAAAAFAAAADwAAAAAAAAAAAAAAAAAAAkUAAAAAQAAABQAAAAUAAAAFAAAAAEAAAAAAAAAZAAAAGQAAAAAAAAAZAAAAGQAAAAVAAAAYAAAAAAAAAAAAAAADwAAACADAAAAAAAAAAAAAAEAAACgMgAAVgcAAKr4//8BAAAAf39/AAEAAABkAAAAAAAAABQAAABAHwAAAAAAACYAAAAAAAAAwOD//wAAAAAmAAAAZAAAABYAAABMAAAAAAAAAAAAAAAEAAAAAAAAAAEAAACAgIAKAAAAACgAAAAoAAAAZAAAAGQAAAAAAAAAzMzMAAAAAABQAAAAUAAAAGQAAABkAAAAAAAAABcAAAAUAAAAAAAAAAAAAAD/fwAA/38AAAAAAAAJAAAABAAAAAAAAAAMAAAAEAAAAAAAAAAAAAAAAAAAAAAAAAAeAAAAaAAAAAAAAAAAAAAAAAAAAAAAAAAAAAAAECcAABAnAAAAAAAAAAAAAAAAAAAAAAAAAAAAAAAAAAAAAAAAAAAAABQAAAAAAAAAwMD/AAAAAABkAAAAMgAAAAAAAABkAAAAAAAAAH9/fwAKAAAAHwAAAFQAAAAAAAAFAAAAAQAAAAAAAAAAAAAAAAAAAAAAAAAAAAAAAAAAAAAAAAAAAAAAAn9/fwAAAAADzMzMAMDA/wB/f38AAAAAAAAAAAAAAAAAAAAAAAAAAAAhAAAAGAAAABQAAADQAgAAsAEAAHA1AAC4CAAAEAAAACYAAAAIAAAAAAAAAAAAAAA="/>
+                <pr:smNativeData xmlns:pr="smNativeData" val="SMDATA_13_Na6sYxMAAAAlAAAAZAAAAA8BAAAAkAAAAEgAAACQAAAASAAAAAAAAAABAAAAAAAAAAEAAABQAAAAAAAAAAAA4D8AAAAAAADgPwAAAAAAAOA/AAAAAAAA4D8AAAAAAADgPwAAAAAAAOA/AAAAAAAA4D8AAAAAAADgPwAAAAAAAOA/AAAAAAAA4D8CAAAAjAAAAAAAAAAAAAAAu+DjDP///wgAAAAAAAAAAAAAAAAAAAAAAAAAAAAAAAAAAAAAZAAAAAEAAABAAAAAAAAAAAAAAAAAAAAAAAAAAAAAAAAAAAAAAAAAAAAAAAAAAAAAAAAAAAAAAAAAAAAAAAAAAAAAAAAAAAAAAAAAAAAAAAAAAAAAAAAAAAAAAAAAAAAAFAAAADwAAAAAAAAAAAAAAAAAAAkUAAAAAQAAABQAAAAUAAAAFAAAAAEAAAAAAAAAZAAAAGQAAAAAAAAAZAAAAGQAAAAVAAAAYAAAAAAAAAAAAAAADwAAACADAAAAAAAAAAAAAAEAAACgMgAAVgcAAKr4//8BAAAAf39/AAEAAABkAAAAAAAAABQAAABAHwAAAAAAACYAAAAAAAAAwOD//wAAAAAmAAAAZAAAABYAAABMAAAAAAAAAAAAAAAEAAAAAAAAAAEAAACAgIAKAAAAACgAAAAoAAAAZAAAAGQAAAAAAAAAzMzMAAAAAABQAAAAUAAAAGQAAABkAAAAAAAAABcAAAAUAAAAAAAAAAAAAAD/fwAA/38AAAAAAAAJAAAABAAAAAAAAAAMAAAAEAAAAAAAAAAAAAAAAAAAAAAAAAAeAAAAaAAAAAAAAAAAAAAAAAAAAAAAAAAAAAAAECcAABAnAAAAAAAAAAAAAAAAAAAAAAAAAAAAAAAAAAAAAAAAAAAAABQAAAAAAAAAwMD/AAAAAABkAAAAMgAAAAAAAABkAAAAAAAAAH9/fwAKAAAAHwAAAFQAAAAAAAAFAAAAAQAAAAAAAAAAAAAAAAAAAAAAAAAAAAAAAAAAAAAAAAAAAAAAAn9/fwAAAAADzMzMAMDA/wB/f38AAAAAAAAAAAAAAAAAAAAAAAAAAAAhAAAAGAAAABQAAADQAgAAsAEAAHA1AAC4CAAAEAAAACYAAAAIAAAAAAAAAAAAAAA="/>
               </a:ext>
             </a:extLst>
           </p:cNvSpPr>
@@ -1986,7 +1986,7 @@
             <a:spLocks noGrp="1" noChangeArrowheads="1"/>
             <a:extLst>
               <a:ext uri="smNativeData">
-                <pr:smNativeData xmlns:pr="smNativeData" val="SMDATA_13_B6msYxMAAAAlAAAAZAAAAA8BAAAAkAAAAEgAAACQAAAASAAAAAAAAAABAAAAAAAAAAEAAABQAAAAAAAAAAAA4D8AAAAAAADgPwAAAAAAAOA/AAAAAAAA4D8AAAAAAADgPwAAAAAAAOA/AAAAAAAA4D8AAAAAAADgPwAAAAAAAOA/AAAAAAAA4D8CAAAAjAAAAAAAAAAAAAAAu+DjDP///wgAAAAAAAAAAAAAAAAAAAAAAAAAAAAAAAAAAAAAZAAAAAEAAABAAAAAAAAAAAAAAAAAAAAAAAAAAAAAAAAAAAAAAAAAAAAAAAAAAAAAAAAAAAAAAAAAAAAAAAAAAAAAAAAAAAAAAAAAAAAAAAAAAAAAAAAAAAAAAAAAAAAAFAAAADwAAAAAAAAAAAAAAAAAAAkUAAAAAQAAABQAAAAUAAAAFAAAAAEAAAAAAAAAZAAAAGQAAAAAAAAAZAAAAGQAAAAVAAAAYAAAAAAAAAAAAAAADwAAACADAAAAAAAAAAAAAAEAAACgMgAAVgcAAKr4//8BAAAAf39/AAEAAABkAAAAAAAAABQAAABAHwAAAAAAACYAAAAAAAAAwOD//wAAAAAmAAAAZAAAABYAAABMAAAAAAAAAAAAAAAEAAAAAAAAAAEAAACAgIAKAAAAACgAAAAoAAAAZAAAAGQAAAAAAAAAzMzMAAAAAABQAAAAUAAAAGQAAABkAAAAAAAAABcAAAAUAAAAAAAAAAAAAAD/fwAA/38AAAAAAAAJAAAABAAAAAAAAAAMAAAAEAAAAAAAAAAAAAAAAAAAAAAAAAAeAAAAaAAAAAAAAAAAAAAAAAAAAAAAAAAAAAAAECcAABAnAAAAAAAAAAAAAAAAAAAAAAAAAAAAAAAAAAAAAAAAAAAAABQAAAAAAAAAwMD/AAAAAABkAAAAMgAAAAAAAABkAAAAAAAAAH9/fwAKAAAAHwAAAFQAAAAAAAAFAAAAAQAAAAAAAAAAAAAAAAAAAAAAAAAAAAAAAAAAAAAAAAAAAAAAAn9/fwAAAAADzMzMAMDA/wB/f38AAAAAAAAAAAAAAAAAAAAAAAAAAAAhAAAAGAAAABQAAADQAgAAGycAAPAPAABZKQAAEAAAACYAAAAIAAAAAAAAAAAAAAA="/>
+                <pr:smNativeData xmlns:pr="smNativeData" val="SMDATA_13_Na6sYxMAAAAlAAAAZAAAAA8BAAAAkAAAAEgAAACQAAAASAAAAAAAAAABAAAAAAAAAAEAAABQAAAAAAAAAAAA4D8AAAAAAADgPwAAAAAAAOA/AAAAAAAA4D8AAAAAAADgPwAAAAAAAOA/AAAAAAAA4D8AAAAAAADgPwAAAAAAAOA/AAAAAAAA4D8CAAAAjAAAAAAAAAAAAAAAu+DjDP///wgAAAAAAAAAAAAAAAAAAAAAAAAAAAAAAAAAAAAAZAAAAAEAAABAAAAAAAAAAAAAAAAAAAAAAAAAAAAAAAAAAAAAAAAAAAAAAAAAAAAAAAAAAAAAAAAAAAAAAAAAAAAAAAAAAAAAAAAAAAAAAAAAAAAAAAAAAAAAAAAAAAAAFAAAADwAAAAAAAAAAAAAAAAAAAkUAAAAAQAAABQAAAAUAAAAFAAAAAEAAAAAAAAAZAAAAGQAAAAAAAAAZAAAAGQAAAAVAAAAYAAAAAAAAAAAAAAADwAAACADAAAAAAAAAAAAAAEAAACgMgAAVgcAAKr4//8BAAAAf39/AAEAAABkAAAAAAAAABQAAABAHwAAAAAAACYAAAAAAAAAwOD//wAAAAAmAAAAZAAAABYAAABMAAAAAAAAAAAAAAAEAAAAAAAAAAEAAACAgIAKAAAAACgAAAAoAAAAZAAAAGQAAAAAAAAAzMzMAAAAAABQAAAAUAAAAGQAAABkAAAAAAAAABcAAAAUAAAAAAAAAAAAAAD/fwAA/38AAAAAAAAJAAAABAAAAAAAAAAMAAAAEAAAAAAAAAAAAAAAAAAAAAAAAAAeAAAAaAAAAAAAAAAAAAAAAAAAAAAAAAAAAAAAECcAABAnAAAAAAAAAAAAAAAAAAAAAAAAAAAAAAAAAAAAAAAAAAAAABQAAAAAAAAAwMD/AAAAAABkAAAAMgAAAAAAAABkAAAAAAAAAH9/fwAKAAAAHwAAAFQAAAAAAAAFAAAAAQAAAAAAAAAAAAAAAAAAAAAAAAAAAAAAAAAAAAAAAAAAAAAAAn9/fwAAAAADzMzMAMDA/wB/f38AAAAAAAAAAAAAAAAAAAAAAAAAAAAhAAAAGAAAABQAAADQAgAAGycAAPAPAABZKQAAEAAAACYAAAAIAAAAAAAAAAAAAAA="/>
               </a:ext>
             </a:extLst>
           </p:cNvSpPr>
@@ -2000,7 +2000,7 @@
           <a:lstStyle/>
           <a:p>
             <a:pPr/>
-            <a:fld id="{1CA1944D-03F1-F462-BF19-F537DA5749A0}" type="datetime1">
+            <a:fld id="{1CB57A6E-20F1-E08C-BF0D-D6D934434983}" type="datetime1">
               <a:t/>
             </a:fld>
           </a:p>
@@ -2013,7 +2013,7 @@
             <a:spLocks noGrp="1" noChangeArrowheads="1"/>
             <a:extLst>
               <a:ext uri="smNativeData">
-                <pr:smNativeData xmlns:pr="smNativeData" val="SMDATA_13_B6msYxMAAAAlAAAAZAAAAA8BAAAAkAAAAEgAAACQAAAASAAAAAAAAAABAAAAAAAAAAEAAABQAAAAAAAAAAAA4D8AAAAAAADgPwAAAAAAAOA/AAAAAAAA4D8AAAAAAADgPwAAAAAAAOA/AAAAAAAA4D8AAAAAAADgPwAAAAAAAOA/AAAAAAAA4D8CAAAAjAAAAAAAAAAAAAAAu+DjDP///wgAAAAAAAAAAAAAAAAAAAAAAAAAAAAAAAAAAAAAZAAAAAEAAABAAAAAAAAAAAAAAAAAAAAAAAAAAAAAAAAAAAAAAAAAAAAAAAAAAAAAAAAAAAAAAAAAAAAAAAAAAAAAAAAAAAAAAAAAAAAAAAAAAAAAAAAAAAAAAAAAAAAAFAAAADwAAAAAAAAAAAAAAAAAAAkUAAAAAQAAABQAAAAUAAAAFAAAAAEAAAAAAAAAZAAAAGQAAAAAAAAAZAAAAGQAAAAVAAAAYAAAAAAAAAAAAAAADwAAACADAAAAAAAAAAAAAAEAAACgMgAAVgcAAKr4//8BAAAAf39/AAEAAABkAAAAAAAAABQAAABAHwAAAAAAACYAAAAAAAAAwOD//wAAAAAmAAAAZAAAABYAAABMAAAAAAAAAAAAAAAEAAAAAAAAAAEAAACAgIAKAAAAACgAAAAoAAAAZAAAAGQAAAAAAAAAzMzMAAAAAABQAAAAUAAAAGQAAABkAAAAAAAAABcAAAAUAAAAAAAAAAAAAAD/fwAA/38AAAAAAAAJAAAABAAAAAAAAAAMAAAAEAAAAAAAAAAAAAAAAAAAAAAAAAAeAAAAaAAAAAAAAAAAAAAAAAAAAAAAAAAAAAAAECcAABAnAAAAAAAAAAAAAAAAAAAAAAAAAAAAAAAAAAAAAAAAAAAAABQAAAAAAAAAwMD/AAAAAABkAAAAMgAAAAAAAABkAAAAAAAAAH9/fwAKAAAAHwAAAFQAAAAAAAAFAAAAAQAAAAAAAAAAAAAAAAAAAAAAAAAAAAAAAAAAAAAAAAAAAAAAAn9/fwAAAAADzMzMAMDA/wB/f38AAAAAAAAAAAAAAAAAAAAAAAAAAAAhAAAAGAAAABQAAAA4EwAAGycAAAglAABZKQAAEAAAACYAAAAIAAAAAAAAAAAAAAA="/>
+                <pr:smNativeData xmlns:pr="smNativeData" val="SMDATA_13_Na6sYxMAAAAlAAAAZAAAAA8BAAAAkAAAAEgAAACQAAAASAAAAAAAAAABAAAAAAAAAAEAAABQAAAAAAAAAAAA4D8AAAAAAADgPwAAAAAAAOA/AAAAAAAA4D8AAAAAAADgPwAAAAAAAOA/AAAAAAAA4D8AAAAAAADgPwAAAAAAAOA/AAAAAAAA4D8CAAAAjAAAAAAAAAAAAAAAu+DjDP///wgAAAAAAAAAAAAAAAAAAAAAAAAAAAAAAAAAAAAAZAAAAAEAAABAAAAAAAAAAAAAAAAAAAAAAAAAAAAAAAAAAAAAAAAAAAAAAAAAAAAAAAAAAAAAAAAAAAAAAAAAAAAAAAAAAAAAAAAAAAAAAAAAAAAAAAAAAAAAAAAAAAAAFAAAADwAAAAAAAAAAAAAAAAAAAkUAAAAAQAAABQAAAAUAAAAFAAAAAEAAAAAAAAAZAAAAGQAAAAAAAAAZAAAAGQAAAAVAAAAYAAAAAAAAAAAAAAADwAAACADAAAAAAAAAAAAAAEAAACgMgAAVgcAAKr4//8BAAAAf39/AAEAAABkAAAAAAAAABQAAABAHwAAAAAAACYAAAAAAAAAwOD//wAAAAAmAAAAZAAAABYAAABMAAAAAAAAAAAAAAAEAAAAAAAAAAEAAACAgIAKAAAAACgAAAAoAAAAZAAAAGQAAAAAAAAAzMzMAAAAAABQAAAAUAAAAGQAAABkAAAAAAAAABcAAAAUAAAAAAAAAAAAAAD/fwAA/38AAAAAAAAJAAAABAAAAAAAAAAMAAAAEAAAAAAAAAAAAAAAAAAAAAAAAAAeAAAAaAAAAAAAAAAAAAAAAAAAAAAAAAAAAAAAECcAABAnAAAAAAAAAAAAAAAAAAAAAAAAAAAAAAAAAAAAAAAAAAAAABQAAAAAAAAAwMD/AAAAAABkAAAAMgAAAAAAAABkAAAAAAAAAH9/fwAKAAAAHwAAAFQAAAAAAAAFAAAAAQAAAAAAAAAAAAAAAAAAAAAAAAAAAAAAAAAAAAAAAAAAAAAAAn9/fwAAAAADzMzMAMDA/wB/f38AAAAAAAAAAAAAAAAAAAAAAAAAAAAhAAAAGAAAABQAAAA4EwAAGycAAAglAABZKQAAEAAAACYAAAAIAAAAAAAAAAAAAAA="/>
               </a:ext>
             </a:extLst>
           </p:cNvSpPr>
@@ -2037,7 +2037,7 @@
             <a:spLocks noGrp="1" noChangeArrowheads="1"/>
             <a:extLst>
               <a:ext uri="smNativeData">
-                <pr:smNativeData xmlns:pr="smNativeData" val="SMDATA_13_B6msYxMAAAAlAAAAZAAAAA8BAAAAkAAAAEgAAACQAAAASAAAAAAAAAABAAAAAAAAAAEAAABQAAAAAAAAAAAA4D8AAAAAAADgPwAAAAAAAOA/AAAAAAAA4D8AAAAAAADgPwAAAAAAAOA/AAAAAAAA4D8AAAAAAADgPwAAAAAAAOA/AAAAAAAA4D8CAAAAjAAAAAAAAAAAAAAAu+DjDP///wgAAAAAAAAAAAAAAAAAAAAAAAAAAAAAAAAAAAAAZAAAAAEAAABAAAAAAAAAAAAAAAAAAAAAAAAAAAAAAAAAAAAAAAAAAAAAAAAAAAAAAAAAAAAAAAAAAAAAAAAAAAAAAAAAAAAAAAAAAAAAAAAAAAAAAAAAAAAAAAAAAAAAFAAAADwAAAAAAAAAAAAAAAAAAAkUAAAAAQAAABQAAAAUAAAAFAAAAAEAAAAAAAAAZAAAAGQAAAAAAAAAZAAAAGQAAAAVAAAAYAAAAAAAAAAAAAAADwAAACADAAAAAAAAAAAAAAEAAACgMgAAVgcAAKr4//8BAAAAf39/AAEAAABkAAAAAAAAABQAAABAHwAAAAAAACYAAAAAAAAAwOD//wAAAAAmAAAAZAAAABYAAABMAAAAAAAAAAAAAAAEAAAAAAAAAAEAAACAgIAKAAAAACgAAAAoAAAAZAAAAGQAAAAAAAAAzMzMAAAAAABQAAAAUAAAAGQAAABkAAAAAAAAABcAAAAUAAAAAAAAAAAAAAD/fwAA/38AAAAAAAAJAAAABAAAAAAAAAAMAAAAEAAAAAAAAAAAAAAAAAAAAAAAAAAeAAAAaAAAAAAAAAAAAAAAAAAAAAAAAAAAAAAAECcAABAnAAAAAAAAAAAAAAAAAAAAAAAAAAAAAAAAAAAAAAAAAAAAABQAAAAAAAAAwMD/AAAAAABkAAAAMgAAAAAAAABkAAAAAAAAAH9/fwAKAAAAHwAAAFQAAAAAAAAFAAAAAQAAAAAAAAAAAAAAAAAAAAAAAAAAAAAAAAAAAAAAAAAAAAAAAn9/fwAAAAADzMzMAMDA/wB/f38AAAAAAAAAAAAAAAAAAAAAAAAAAAAhAAAAGAAAABQAAABQKAAAGycAAHA1AABZKQAAEAAAACYAAAAIAAAAAAAAAAAAAAA="/>
+                <pr:smNativeData xmlns:pr="smNativeData" val="SMDATA_13_Na6sYxMAAAAlAAAAZAAAAA8BAAAAkAAAAEgAAACQAAAASAAAAAAAAAABAAAAAAAAAAEAAABQAAAAAAAAAAAA4D8AAAAAAADgPwAAAAAAAOA/AAAAAAAA4D8AAAAAAADgPwAAAAAAAOA/AAAAAAAA4D8AAAAAAADgPwAAAAAAAOA/AAAAAAAA4D8CAAAAjAAAAAAAAAAAAAAAu+DjDP///wgAAAAAAAAAAAAAAAAAAAAAAAAAAAAAAAAAAAAAZAAAAAEAAABAAAAAAAAAAAAAAAAAAAAAAAAAAAAAAAAAAAAAAAAAAAAAAAAAAAAAAAAAAAAAAAAAAAAAAAAAAAAAAAAAAAAAAAAAAAAAAAAAAAAAAAAAAAAAAAAAAAAAFAAAADwAAAAAAAAAAAAAAAAAAAkUAAAAAQAAABQAAAAUAAAAFAAAAAEAAAAAAAAAZAAAAGQAAAAAAAAAZAAAAGQAAAAVAAAAYAAAAAAAAAAAAAAADwAAACADAAAAAAAAAAAAAAEAAACgMgAAVgcAAKr4//8BAAAAf39/AAEAAABkAAAAAAAAABQAAABAHwAAAAAAACYAAAAAAAAAwOD//wAAAAAmAAAAZAAAABYAAABMAAAAAAAAAAAAAAAEAAAAAAAAAAEAAACAgIAKAAAAACgAAAAoAAAAZAAAAGQAAAAAAAAAzMzMAAAAAABQAAAAUAAAAGQAAABkAAAAAAAAABcAAAAUAAAAAAAAAAAAAAD/fwAA/38AAAAAAAAJAAAABAAAAAAAAAAMAAAAEAAAAAAAAAAAAAAAAAAAAAAAAAAeAAAAaAAAAAAAAAAAAAAAAAAAAAAAAAAAAAAAECcAABAnAAAAAAAAAAAAAAAAAAAAAAAAAAAAAAAAAAAAAAAAAAAAABQAAAAAAAAAwMD/AAAAAABkAAAAMgAAAAAAAABkAAAAAAAAAH9/fwAKAAAAHwAAAFQAAAAAAAAFAAAAAQAAAAAAAAAAAAAAAAAAAAAAAAAAAAAAAAAAAAAAAAAAAAAAAn9/fwAAAAADzMzMAMDA/wB/f38AAAAAAAAAAAAAAAAAAAAAAAAAAAAhAAAAGAAAABQAAABQKAAAGycAAHA1AABZKQAAEAAAACYAAAAIAAAAAAAAAAAAAAA="/>
               </a:ext>
             </a:extLst>
           </p:cNvSpPr>
@@ -2051,7 +2051,7 @@
           <a:lstStyle/>
           <a:p>
             <a:pPr/>
-            <a:fld id="{1CA19AA6-E8F1-F46C-BF19-1E39D457494B}" type="slidenum">
+            <a:fld id="{1CB5419C-D2F1-E0B7-BF0D-24E20F434971}" type="slidenum">
               <a:t/>
             </a:fld>
           </a:p>
@@ -2089,7 +2089,7 @@
             <a:spLocks noGrp="1" noChangeArrowheads="1"/>
             <a:extLst>
               <a:ext uri="smNativeData">
-                <pr:smNativeData xmlns:pr="smNativeData" val="SMDATA_13_B6msYxMAAAAlAAAAZAAAAA8BAAAAkAAAAEgAAACQAAAASAAAAAAAAAABAAAAAAAAAAEAAABQAAAAAAAAAAAA4D8AAAAAAADgPwAAAAAAAOA/AAAAAAAA4D8AAAAAAADgPwAAAAAAAOA/AAAAAAAA4D8AAAAAAADgPwAAAAAAAOA/AAAAAAAA4D8CAAAAjAAAAAAAAAAAAAAAu+DjDP///wgAAAAAAAAAAAAAAAAAAAAAAAAAAAAAAAAAAAAAZAAAAAEAAABAAAAAAAAAAAAAAAAAAAAAAAAAAAAAAAAAAAAAAAAAAAAAAAAAAAAAAAAAAAAAAAAAAAAAAAAAAAAAAAAAAAAAAAAAAAAAAAAAAAAAAAAAAAAAAAAAAAAAFAAAADwAAAAAAAAAAAAAAAAAAAkUAAAAAQAAABQAAAAUAAAAFAAAAAEAAAAAAAAAZAAAAGQAAAAAAAAAZAAAAGQAAAAVAAAAYAAAAAAAAAAAAAAADwAAACADAAAAAAAAAAAAAAEAAACgMgAAVgcAAKr4//8BAAAAf39/AAEAAABkAAAAAAAAABQAAABAHwAAAAAAACYAAAAAAAAAwOD//wAAAAAmAAAAZAAAABYAAABMAAAAAAAAAAAAAAAEAAAAAAAAAAEAAACAgIAKAAAAACgAAAAoAAAAZAAAAGQAAAAAAAAAzMzMAAAAAABQAAAAUAAAAGQAAABkAAAAAAAAABcAAAAUAAAAAAAAAAAAAAD/fwAA/38AAAAAAAAJAAAABAAAAAAAAAAMAAAAEAAAAAAAAAAAAAAAAAAAAAAAAAAeAAAAaAAAAAAAAAAAAAAAAAAAAAAAAAAAAAAAECcAABAnAAAAAAAAAAAAAAAAAAAAAAAAAAAAAAAAAAAAAAAAAAAAABQAAAAAAAAAwMD/AAAAAABkAAAAMgAAAAAAAABkAAAAAAAAAH9/fwAKAAAAHwAAAFQAAAAAAAAFAAAAAQAAAAAAAAAAAAAAAAAAAAAAAAAAAAAAAAAAAAAAAAAAAAAAAn9/fwAAAAADzMzMAMDA/wB/f38AAAAAAAAAAAAAAAAAAAAAAAAAAAAhAAAAGAAAABQAAADQAgAAGycAAPAPAABZKQAAEAAAACYAAAAIAAAAAAAAAAAAAAA="/>
+                <pr:smNativeData xmlns:pr="smNativeData" val="SMDATA_13_Na6sYxMAAAAlAAAAZAAAAA8BAAAAkAAAAEgAAACQAAAASAAAAAAAAAABAAAAAAAAAAEAAABQAAAAAAAAAAAA4D8AAAAAAADgPwAAAAAAAOA/AAAAAAAA4D8AAAAAAADgPwAAAAAAAOA/AAAAAAAA4D8AAAAAAADgPwAAAAAAAOA/AAAAAAAA4D8CAAAAjAAAAAAAAAAAAAAAu+DjDP///wgAAAAAAAAAAAAAAAAAAAAAAAAAAAAAAAAAAAAAZAAAAAEAAABAAAAAAAAAAAAAAAAAAAAAAAAAAAAAAAAAAAAAAAAAAAAAAAAAAAAAAAAAAAAAAAAAAAAAAAAAAAAAAAAAAAAAAAAAAAAAAAAAAAAAAAAAAAAAAAAAAAAAFAAAADwAAAAAAAAAAAAAAAAAAAkUAAAAAQAAABQAAAAUAAAAFAAAAAEAAAAAAAAAZAAAAGQAAAAAAAAAZAAAAGQAAAAVAAAAYAAAAAAAAAAAAAAADwAAACADAAAAAAAAAAAAAAEAAACgMgAAVgcAAKr4//8BAAAAf39/AAEAAABkAAAAAAAAABQAAABAHwAAAAAAACYAAAAAAAAAwOD//wAAAAAmAAAAZAAAABYAAABMAAAAAAAAAAAAAAAEAAAAAAAAAAEAAACAgIAKAAAAACgAAAAoAAAAZAAAAGQAAAAAAAAAzMzMAAAAAABQAAAAUAAAAGQAAABkAAAAAAAAABcAAAAUAAAAAAAAAAAAAAD/fwAA/38AAAAAAAAJAAAABAAAAAAAAAAMAAAAEAAAAAAAAAAAAAAAAAAAAAAAAAAeAAAAaAAAAAAAAAAAAAAAAAAAAAAAAAAAAAAAECcAABAnAAAAAAAAAAAAAAAAAAAAAAAAAAAAAAAAAAAAAAAAAAAAABQAAAAAAAAAwMD/AAAAAABkAAAAMgAAAAAAAABkAAAAAAAAAH9/fwAKAAAAHwAAAFQAAAAAAAAFAAAAAQAAAAAAAAAAAAAAAAAAAAAAAAAAAAAAAAAAAAAAAAAAAAAAAn9/fwAAAAADzMzMAMDA/wB/f38AAAAAAAAAAAAAAAAAAAAAAAAAAAAhAAAAGAAAABQAAADQAgAAGycAAPAPAABZKQAAEAAAACYAAAAIAAAAAAAAAAAAAAA="/>
               </a:ext>
             </a:extLst>
           </p:cNvSpPr>
@@ -2103,7 +2103,7 @@
           <a:lstStyle/>
           <a:p>
             <a:pPr/>
-            <a:fld id="{1CA18F5C-12F1-F479-BF19-E42CC15749B1}" type="datetime1">
+            <a:fld id="{1CB543EC-A2F1-E0B5-BF0D-54E00D434901}" type="datetime1">
               <a:t/>
             </a:fld>
           </a:p>
@@ -2116,7 +2116,7 @@
             <a:spLocks noGrp="1" noChangeArrowheads="1"/>
             <a:extLst>
               <a:ext uri="smNativeData">
-                <pr:smNativeData xmlns:pr="smNativeData" val="SMDATA_13_B6msYxMAAAAlAAAAZAAAAA8BAAAAkAAAAEgAAACQAAAASAAAAAAAAAABAAAAAAAAAAEAAABQAAAAAAAAAAAA4D8AAAAAAADgPwAAAAAAAOA/AAAAAAAA4D8AAAAAAADgPwAAAAAAAOA/AAAAAAAA4D8AAAAAAADgPwAAAAAAAOA/AAAAAAAA4D8CAAAAjAAAAAAAAAAAAAAAu+DjDP///wgAAAAAAAAAAAAAAAAAAAAAAAAAAAAAAAAAAAAAZAAAAAEAAABAAAAAAAAAAAAAAAAAAAAAAAAAAAAAAAAAAAAAAAAAAAAAAAAAAAAAAAAAAAAAAAAAAAAAAAAAAAAAAAAAAAAAAAAAAAAAAAAAAAAAAAAAAAAAAAAAAAAAFAAAADwAAAAAAAAAAAAAAAAAAAkUAAAAAQAAABQAAAAUAAAAFAAAAAEAAAAAAAAAZAAAAGQAAAAAAAAAZAAAAGQAAAAVAAAAYAAAAAAAAAAAAAAADwAAACADAAAAAAAAAAAAAAEAAACgMgAAVgcAAKr4//8BAAAAf39/AAEAAABkAAAAAAAAABQAAABAHwAAAAAAACYAAAAAAAAAwOD//wAAAAAmAAAAZAAAABYAAABMAAAAAAAAAAAAAAAEAAAAAAAAAAEAAACAgIAKAAAAACgAAAAoAAAAZAAAAGQAAAAAAAAAzMzMAAAAAABQAAAAUAAAAGQAAABkAAAAAAAAABcAAAAUAAAAAAAAAAAAAAD/fwAA/38AAAAAAAAJAAAABAAAAAAAAAAMAAAAEAAAAAAAAAAAAAAAAAAAAAAAAAAeAAAAaAAAAAAAAAAAAAAAAAAAAAAAAAAAAAAAECcAABAnAAAAAAAAAAAAAAAAAAAAAAAAAAAAAAAAAAAAAAAAAAAAABQAAAAAAAAAwMD/AAAAAABkAAAAMgAAAAAAAABkAAAAAAAAAH9/fwAKAAAAHwAAAFQAAAAAAAAFAAAAAQAAAAAAAAAAAAAAAAAAAAAAAAAAAAAAAAAAAAAAAAAAAAAAAn9/fwAAAAADzMzMAMDA/wB/f38AAAAAAAAAAAAAAAAAAAAAAAAAAAAhAAAAGAAAABQAAAA4EwAAGycAAAglAABZKQAAEAAAACYAAAAIAAAAAAAAAAAAAAA="/>
+                <pr:smNativeData xmlns:pr="smNativeData" val="SMDATA_13_Na6sYxMAAAAlAAAAZAAAAA8BAAAAkAAAAEgAAACQAAAASAAAAAAAAAABAAAAAAAAAAEAAABQAAAAAAAAAAAA4D8AAAAAAADgPwAAAAAAAOA/AAAAAAAA4D8AAAAAAADgPwAAAAAAAOA/AAAAAAAA4D8AAAAAAADgPwAAAAAAAOA/AAAAAAAA4D8CAAAAjAAAAAAAAAAAAAAAu+DjDP///wgAAAAAAAAAAAAAAAAAAAAAAAAAAAAAAAAAAAAAZAAAAAEAAABAAAAAAAAAAAAAAAAAAAAAAAAAAAAAAAAAAAAAAAAAAAAAAAAAAAAAAAAAAAAAAAAAAAAAAAAAAAAAAAAAAAAAAAAAAAAAAAAAAAAAAAAAAAAAAAAAAAAAFAAAADwAAAAAAAAAAAAAAAAAAAkUAAAAAQAAABQAAAAUAAAAFAAAAAEAAAAAAAAAZAAAAGQAAAAAAAAAZAAAAGQAAAAVAAAAYAAAAAAAAAAAAAAADwAAACADAAAAAAAAAAAAAAEAAACgMgAAVgcAAKr4//8BAAAAf39/AAEAAABkAAAAAAAAABQAAABAHwAAAAAAACYAAAAAAAAAwOD//wAAAAAmAAAAZAAAABYAAABMAAAAAAAAAAAAAAAEAAAAAAAAAAEAAACAgIAKAAAAACgAAAAoAAAAZAAAAGQAAAAAAAAAzMzMAAAAAABQAAAAUAAAAGQAAABkAAAAAAAAABcAAAAUAAAAAAAAAAAAAAD/fwAA/38AAAAAAAAJAAAABAAAAAAAAAAMAAAAEAAAAAAAAAAAAAAAAAAAAAAAAAAeAAAAaAAAAAAAAAAAAAAAAAAAAAAAAAAAAAAAECcAABAnAAAAAAAAAAAAAAAAAAAAAAAAAAAAAAAAAAAAAAAAAAAAABQAAAAAAAAAwMD/AAAAAABkAAAAMgAAAAAAAABkAAAAAAAAAH9/fwAKAAAAHwAAAFQAAAAAAAAFAAAAAQAAAAAAAAAAAAAAAAAAAAAAAAAAAAAAAAAAAAAAAAAAAAAAAn9/fwAAAAADzMzMAMDA/wB/f38AAAAAAAAAAAAAAAAAAAAAAAAAAAAhAAAAGAAAABQAAAA4EwAAGycAAAglAABZKQAAEAAAACYAAAAIAAAAAAAAAAAAAAA="/>
               </a:ext>
             </a:extLst>
           </p:cNvSpPr>
@@ -2140,7 +2140,7 @@
             <a:spLocks noGrp="1" noChangeArrowheads="1"/>
             <a:extLst>
               <a:ext uri="smNativeData">
-                <pr:smNativeData xmlns:pr="smNativeData" val="SMDATA_13_B6msYxMAAAAlAAAAZAAAAA8BAAAAkAAAAEgAAACQAAAASAAAAAAAAAABAAAAAAAAAAEAAABQAAAAAAAAAAAA4D8AAAAAAADgPwAAAAAAAOA/AAAAAAAA4D8AAAAAAADgPwAAAAAAAOA/AAAAAAAA4D8AAAAAAADgPwAAAAAAAOA/AAAAAAAA4D8CAAAAjAAAAAAAAAAAAAAAu+DjDP///wgAAAAAAAAAAAAAAAAAAAAAAAAAAAAAAAAAAAAAZAAAAAEAAABAAAAAAAAAAAAAAAAAAAAAAAAAAAAAAAAAAAAAAAAAAAAAAAAAAAAAAAAAAAAAAAAAAAAAAAAAAAAAAAAAAAAAAAAAAAAAAAAAAAAAAAAAAAAAAAAAAAAAFAAAADwAAAAAAAAAAAAAAAAAAAkUAAAAAQAAABQAAAAUAAAAFAAAAAEAAAAAAAAAZAAAAGQAAAAAAAAAZAAAAGQAAAAVAAAAYAAAAAAAAAAAAAAADwAAACADAAAAAAAAAAAAAAEAAACgMgAAVgcAAKr4//8BAAAAf39/AAEAAABkAAAAAAAAABQAAABAHwAAAAAAACYAAAAAAAAAwOD//wAAAAAmAAAAZAAAABYAAABMAAAAAAAAAAAAAAAEAAAAAAAAAAEAAACAgIAKAAAAACgAAAAoAAAAZAAAAGQAAAAAAAAAzMzMAAAAAABQAAAAUAAAAGQAAABkAAAAAAAAABcAAAAUAAAAAAAAAAAAAAD/fwAA/38AAAAAAAAJAAAABAAAADIAAAAMAAAAEAAAAAAAAAAAAAAAAAAAAAAAAAAeAAAAaAAAAAAAAAAAAAAAAAAAAAAAAAAAAAAAECcAABAnAAAAAAAAAAAAAAAAAAAAAAAAAAAAAAAAAAAAAAAAAAAAABQAAAAAAAAAwMD/AAAAAABkAAAAMgAAAAAAAABkAAAAAAAAAH9/fwAKAAAAHwAAAFQAAAAAAAAFAAAAAQAAAAAAAAAAAAAAAAAAAAAAAAAAAAAAAAAAAAAAAAAAAAAAAn9/fwAAAAADzMzMAMDA/wB/f38AAAAAAAAAAAAAAAAAAAAAAAAAAAAhAAAAGAAAABQAAABQKAAAGycAAHA1AABZKQAAEAAAACYAAAAIAAAAAAAAAAAAAAA="/>
+                <pr:smNativeData xmlns:pr="smNativeData" val="SMDATA_13_Na6sYxMAAAAlAAAAZAAAAA8BAAAAkAAAAEgAAACQAAAASAAAAAAAAAABAAAAAAAAAAEAAABQAAAAAAAAAAAA4D8AAAAAAADgPwAAAAAAAOA/AAAAAAAA4D8AAAAAAADgPwAAAAAAAOA/AAAAAAAA4D8AAAAAAADgPwAAAAAAAOA/AAAAAAAA4D8CAAAAjAAAAAAAAAAAAAAAu+DjDP///wgAAAAAAAAAAAAAAAAAAAAAAAAAAAAAAAAAAAAAZAAAAAEAAABAAAAAAAAAAAAAAAAAAAAAAAAAAAAAAAAAAAAAAAAAAAAAAAAAAAAAAAAAAAAAAAAAAAAAAAAAAAAAAAAAAAAAAAAAAAAAAAAAAAAAAAAAAAAAAAAAAAAAFAAAADwAAAAAAAAAAAAAAAAAAAkUAAAAAQAAABQAAAAUAAAAFAAAAAEAAAAAAAAAZAAAAGQAAAAAAAAAZAAAAGQAAAAVAAAAYAAAAAAAAAAAAAAADwAAACADAAAAAAAAAAAAAAEAAACgMgAAVgcAAKr4//8BAAAAf39/AAEAAABkAAAAAAAAABQAAABAHwAAAAAAACYAAAAAAAAAwOD//wAAAAAmAAAAZAAAABYAAABMAAAAAAAAAAAAAAAEAAAAAAAAAAEAAACAgIAKAAAAACgAAAAoAAAAZAAAAGQAAAAAAAAAzMzMAAAAAABQAAAAUAAAAGQAAABkAAAAAAAAABcAAAAUAAAAAAAAAAAAAAD/fwAA/38AAAAAAAAJAAAABAAAADIAAAAMAAAAEAAAAAAAAAAAAAAAAAAAAAAAAAAeAAAAaAAAAAAAAAAAAAAAAAAAAAAAAAAAAAAAECcAABAnAAAAAAAAAAAAAAAAAAAAAAAAAAAAAAAAAAAAAAAAAAAAABQAAAAAAAAAwMD/AAAAAABkAAAAMgAAAAAAAABkAAAAAAAAAH9/fwAKAAAAHwAAAFQAAAAAAAAFAAAAAQAAAAAAAAAAAAAAAAAAAAAAAAAAAAAAAAAAAAAAAAAAAAAAAn9/fwAAAAADzMzMAMDA/wB/f38AAAAAAAAAAAAAAAAAAAAAAAAAAAAhAAAAGAAAABQAAABQKAAAGycAAHA1AABZKQAAEAAAACYAAAAIAAAAAAAAAAAAAAA="/>
               </a:ext>
             </a:extLst>
           </p:cNvSpPr>
@@ -2154,7 +2154,7 @@
           <a:lstStyle/>
           <a:p>
             <a:pPr/>
-            <a:fld id="{1CA18D59-17F1-F47B-BF19-E12EC35749B4}" type="slidenum">
+            <a:fld id="{1CB54DF8-B6F1-E0BB-BF0D-40EE03434915}" type="slidenum">
               <a:t/>
             </a:fld>
           </a:p>
@@ -2192,7 +2192,7 @@
             <a:spLocks noGrp="1" noChangeArrowheads="1"/>
             <a:extLst>
               <a:ext uri="smNativeData">
-                <pr:smNativeData xmlns:pr="smNativeData" val="SMDATA_13_B6msYxMAAAAlAAAAZAAAAA8BAAAAkAAAAEgAAACQAAAASAAAAAAAAAACAAAAAAAAAAEAAABQAAAAAAAAAAAA4D8AAAAAAADgPwAAAAAAAOA/AAAAAAAA4D8AAAAAAADgPwAAAAAAAOA/AAAAAAAA4D8AAAAAAADgPwAAAAAAAOA/AAAAAAAA4D8CAAAAjAAAAAAAAAAAAAAAu+DjDP///wgAAAAAAAAAAAAAAAAAAAAAAAAAAAAAAAAAAAAAZAAAAAEAAABAAAAAAAAAAAAAAAAAAAAAAAAAAAAAAAAAAAAAAAAAAAAAAAAAAAAAAAAAAAAAAAAAAAAAAAAAAAAAAAAAAAAAAAAAAAAAAAAAAAAAAAAAAAAAAAAAAAAAFAAAADwAAAAAAAAAAAAAAAAAAAkUAAAAAQAAABQAAAAUAAAAFAAAAAEAAAAAAAAAZAAAAGQAAAAAAAAAZAAAAGQAAAAVAAAAYAAAAAAAAAAAAAAADwAAACADAAAAAAAAAAAAAAEAAACgMgAAVgcAAKr4//8BAAAAf39/AAEAAABkAAAAAAAAABQAAABAHwAAAAAAACYAAAAAAAAAwOD//wAAAAAmAAAAZAAAABYAAABMAAAAAAAAAAAAAAAEAAAAAAAAAAEAAACAgIAKAAAAACgAAAAoAAAAZAAAAGQAAAAAAAAAzMzMAAAAAABQAAAAUAAAAGQAAABkAAAAAAAAABcAAAAUAAAAAAAAAAAAAAD/fwAA/38AAAAAAAAJAAAABAAAAAAAAAAMAAAAEAAAAAAAAAAAAAAAAAAAAAAAAAAeAAAAaAAAAAAAAAAAAAAAAAAAAAAAAAAAAAAAECcAABAnAAAAAAAAAAAAAAAAAAAAAAAAAAAAAAAAAAAAAAAAAAAAABQAAAAAAAAAwMD/AAAAAABkAAAAMgAAAAAAAABkAAAAAAAAAH9/fwAKAAAAHwAAAFQAAAAAAAAFAAAAAQAAAAAAAAAAAAAAAAAAAAAAAAAAAAAAAAAAAAAAAAAAAAAAAn9/fwAAAAADzMzMAMDA/wB/f38AAAAAAAAAAAAAAAAAAAAAAAAAAAAhAAAAGAAAABQAAADQAgAArgEAAFIVAADUCAAAEAAAACYAAAAIAAAAgYAAAAAAAAA="/>
+                <pr:smNativeData xmlns:pr="smNativeData" val="SMDATA_13_Na6sYxMAAAAlAAAAZAAAAA8BAAAAkAAAAEgAAACQAAAASAAAAAAAAAACAAAAAAAAAAEAAABQAAAAAAAAAAAA4D8AAAAAAADgPwAAAAAAAOA/AAAAAAAA4D8AAAAAAADgPwAAAAAAAOA/AAAAAAAA4D8AAAAAAADgPwAAAAAAAOA/AAAAAAAA4D8CAAAAjAAAAAAAAAAAAAAAu+DjDP///wgAAAAAAAAAAAAAAAAAAAAAAAAAAAAAAAAAAAAAZAAAAAEAAABAAAAAAAAAAAAAAAAAAAAAAAAAAAAAAAAAAAAAAAAAAAAAAAAAAAAAAAAAAAAAAAAAAAAAAAAAAAAAAAAAAAAAAAAAAAAAAAAAAAAAAAAAAAAAAAAAAAAAFAAAADwAAAAAAAAAAAAAAAAAAAkUAAAAAQAAABQAAAAUAAAAFAAAAAEAAAAAAAAAZAAAAGQAAAAAAAAAZAAAAGQAAAAVAAAAYAAAAAAAAAAAAAAADwAAACADAAAAAAAAAAAAAAEAAACgMgAAVgcAAKr4//8BAAAAf39/AAEAAABkAAAAAAAAABQAAABAHwAAAAAAACYAAAAAAAAAwOD//wAAAAAmAAAAZAAAABYAAABMAAAAAAAAAAAAAAAEAAAAAAAAAAEAAACAgIAKAAAAACgAAAAoAAAAZAAAAGQAAAAAAAAAzMzMAAAAAABQAAAAUAAAAGQAAABkAAAAAAAAABcAAAAUAAAAAAAAAAAAAAD/fwAA/38AAAAAAAAJAAAABAAAAAAAAAAMAAAAEAAAAAAAAAAAAAAAAAAAAAAAAAAeAAAAaAAAAAAAAAAAAAAAAAAAAAAAAAAAAAAAECcAABAnAAAAAAAAAAAAAAAAAAAAAAAAAAAAAAAAAAAAAAAAAAAAABQAAAAAAAAAwMD/AAAAAABkAAAAMgAAAAAAAABkAAAAAAAAAH9/fwAKAAAAHwAAAFQAAAAAAAAFAAAAAQAAAAAAAAAAAAAAAAAAAAAAAAAAAAAAAAAAAAAAAAAAAAAAAn9/fwAAAAADzMzMAMDA/wB/f38AAAAAAAAAAAAAAAAAAAAAAAAAAAAhAAAAGAAAABQAAADQAgAArgEAAFIVAADUCAAAEAAAACYAAAAIAAAAgYAAAAAAAAA="/>
               </a:ext>
             </a:extLst>
           </p:cNvSpPr>
@@ -2232,7 +2232,7 @@
             <a:spLocks noGrp="1" noChangeArrowheads="1"/>
             <a:extLst>
               <a:ext uri="smNativeData">
-                <pr:smNativeData xmlns:pr="smNativeData" val="SMDATA_13_B6msYxMAAAAlAAAAZAAAAA8BAAAAkAAAAEgAAACQAAAASAAAAAAAAAAAAAAAAAAAAAEAAABQAAAAAAAAAAAA4D8AAAAAAADgPwAAAAAAAOA/AAAAAAAA4D8AAAAAAADgPwAAAAAAAOA/AAAAAAAA4D8AAAAAAADgPwAAAAAAAOA/AAAAAAAA4D8CAAAAjAAAAAAAAAAAAAAAu+DjDP///wgAAAAAAAAAAAAAAAAAAAAAAAAAAAAAAAAAAAAAZAAAAAEAAABAAAAAAAAAAAAAAAAAAAAAAAAAAAAAAAAAAAAAAAAAAAAAAAAAAAAAAAAAAAAAAAAAAAAAAAAAAAAAAAAAAAAAAAAAAAAAAAAAAAAAAAAAAAAAAAAAAAAAFAAAADwAAAAAAAAAAAAAAAAAAAkUAAAAAQAAABQAAAAUAAAAFAAAAAEAAAAAAAAAZAAAAGQAAAAAAAAAZAAAAGQAAAAVAAAAYAAAAAAAAAAAAAAADwAAACADAAAAAAAAAAAAAAEAAACgMgAAVgcAAKr4//8BAAAAf39/AAEAAABkAAAAAAAAABQAAABAHwAAAAAAACYAAAAAAAAAwOD//wAAAAAmAAAAZAAAABYAAABMAAAAAAAAAAAAAAAEAAAAAAAAAAEAAACAgIAKAAAAACgAAAAoAAAAZAAAAGQAAAAAAAAAzMzMAAAAAABQAAAAUAAAAGQAAABkAAAAAAAAABcAAAAUAAAAAAAAAAAAAAD/fwAA/38AAAAAAAAJAAAABAAAADIAATMMAAAAEAAAAAAAAAAAAAAAAAAAAAAAAAAeAAAAaAAAAAAAAAAAAAAAAAAAAAAAAAAAAAAAECcAABAnAAAAAAAAAAAAAAAAAAAAAAAAAAAAAAAAAAAAAAAAAAAAABQAAAAAAAAAwMD/AAAAAABkAAAAMgAAAAAAAABkAAAAAAAAAH9/fwAKAAAAHwAAAFQAAAAAAAAFAAAAAQAAAAAAAAAAAAAAAAAAAAAAAAAAAAAAAAAAAAAAAAAAAAAAAn9/fwAAAAADzMzMAMDA/wB/f38AAAAAAAAAAAAAAAAAAAAAAAAAAAAhAAAAGAAAABQAAAD+FQAArgEAAHA1AACwJQAAEAAAACYAAAAIAAAAAYAAAAAAAAA="/>
+                <pr:smNativeData xmlns:pr="smNativeData" val="SMDATA_13_Na6sYxMAAAAlAAAAZAAAAA8BAAAAkAAAAEgAAACQAAAASAAAAAAAAAAAAAAAAAAAAAEAAABQAAAAAAAAAAAA4D8AAAAAAADgPwAAAAAAAOA/AAAAAAAA4D8AAAAAAADgPwAAAAAAAOA/AAAAAAAA4D8AAAAAAADgPwAAAAAAAOA/AAAAAAAA4D8CAAAAjAAAAAAAAAAAAAAAu+DjDP///wgAAAAAAAAAAAAAAAAAAAAAAAAAAAAAAAAAAAAAZAAAAAEAAABAAAAAAAAAAAAAAAAAAAAAAAAAAAAAAAAAAAAAAAAAAAAAAAAAAAAAAAAAAAAAAAAAAAAAAAAAAAAAAAAAAAAAAAAAAAAAAAAAAAAAAAAAAAAAAAAAAAAAFAAAADwAAAAAAAAAAAAAAAAAAAkUAAAAAQAAABQAAAAUAAAAFAAAAAEAAAAAAAAAZAAAAGQAAAAAAAAAZAAAAGQAAAAVAAAAYAAAAAAAAAAAAAAADwAAACADAAAAAAAAAAAAAAEAAACgMgAAVgcAAKr4//8BAAAAf39/AAEAAABkAAAAAAAAABQAAABAHwAAAAAAACYAAAAAAAAAwOD//wAAAAAmAAAAZAAAABYAAABMAAAAAAAAAAAAAAAEAAAAAAAAAAEAAACAgIAKAAAAACgAAAAoAAAAZAAAAGQAAAAAAAAAzMzMAAAAAABQAAAAUAAAAGQAAABkAAAAAAAAABcAAAAUAAAAAAAAAAAAAAD/fwAA/38AAAAAAAAJAAAABAAAADIAATMMAAAAEAAAAAAAAAAAAAAAAAAAAAAAAAAeAAAAaAAAAAAAAAAAAAAAAAAAAAAAAAAAAAAAECcAABAnAAAAAAAAAAAAAAAAAAAAAAAAAAAAAAAAAAAAAAAAAAAAABQAAAAAAAAAwMD/AAAAAABkAAAAMgAAAAAAAABkAAAAAAAAAH9/fwAKAAAAHwAAAFQAAAAAAAAFAAAAAQAAAAAAAAAAAAAAAAAAAAAAAAAAAAAAAAAAAAAAAAAAAAAAAn9/fwAAAAADzMzMAMDA/wB/f38AAAAAAAAAAAAAAAAAAAAAAAAAAAAhAAAAGAAAABQAAAD+FQAArgEAAHA1AACwJQAAEAAAACYAAAAIAAAAAYAAAAAAAAA="/>
               </a:ext>
             </a:extLst>
           </p:cNvSpPr>
@@ -2316,7 +2316,7 @@
             <a:spLocks noGrp="1" noChangeArrowheads="1"/>
             <a:extLst>
               <a:ext uri="smNativeData">
-                <pr:smNativeData xmlns:pr="smNativeData" val="SMDATA_13_B6msYxMAAAAlAAAAZAAAAA8BAAAAkAAAAEgAAACQAAAASAAAAAAAAAAAAAAAAAAAAAEAAABQAAAAAAAAAAAA4D8AAAAAAADgPwAAAAAAAOA/AAAAAAAA4D8AAAAAAADgPwAAAAAAAOA/AAAAAAAA4D8AAAAAAADgPwAAAAAAAOA/AAAAAAAA4D8CAAAAjAAAAAAAAAAAAAAAu+DjDP///wgAAAAAAAAAAAAAAAAAAAAAAAAAAAAAAAAAAAAAZAAAAAEAAABAAAAAAAAAAAAAAAAAAAAAAAAAAAAAAAAAAAAAAAAAAAAAAAAAAAAAAAAAAAAAAAAAAAAAAAAAAAAAAAAAAAAAAAAAAAAAAAAAAAAAAAAAAAAAAAAAAAAAFAAAADwAAAAAAAAAAAAAAAAAAAkUAAAAAQAAABQAAAAUAAAAFAAAAAEAAAAAAAAAZAAAAGQAAAAAAAAAZAAAAGQAAAAVAAAAYAAAAAAAAAAAAAAADwAAACADAAAAAAAAAAAAAAEAAACgMgAAVgcAAKr4//8BAAAAf39/AAEAAABkAAAAAAAAABQAAABAHwAAAAAAACYAAAAAAAAAwOD//wAAAAAmAAAAZAAAABYAAABMAAAAAAAAAAAAAAAEAAAAAAAAAAEAAACAgIAKAAAAACgAAAAoAAAAZAAAAGQAAAAAAAAAzMzMAAAAAABQAAAAUAAAAGQAAABkAAAAAAAAABcAAAAUAAAAAAAAAAAAAAD/fwAA/38AAAAAAAAJAAAABAAAAGQAAAAMAAAAEAAAAAAAAAAAAAAAAAAAAAAAAAAeAAAAaAAAAAAAAAAAAAAAAAAAAAAAAAAAAAAAECcAABAnAAAAAAAAAAAAAAAAAAAAAAAAAAAAAAAAAAAAAAAAAAAAABQAAAAAAAAAwMD/AAAAAABkAAAAMgAAAAAAAABkAAAAAAAAAH9/fwAKAAAAHwAAAFQAAAAAAAAFAAAAAQAAAAAAAAAAAAAAAAAAAAAAAAAAAAAAAAAAAAAAAAAAAAAAAn9/fwAAAAADzMzMAMDA/wB/f38AAAAAAAAAAAAAAAAAAAAAAAAAAAAhAAAAGAAAABQAAADQAgAA1AgAAFIVAACwJQAAEAAAACYAAAAIAAAAAYAAAAAAAAA="/>
+                <pr:smNativeData xmlns:pr="smNativeData" val="SMDATA_13_Na6sYxMAAAAlAAAAZAAAAA8BAAAAkAAAAEgAAACQAAAASAAAAAAAAAAAAAAAAAAAAAEAAABQAAAAAAAAAAAA4D8AAAAAAADgPwAAAAAAAOA/AAAAAAAA4D8AAAAAAADgPwAAAAAAAOA/AAAAAAAA4D8AAAAAAADgPwAAAAAAAOA/AAAAAAAA4D8CAAAAjAAAAAAAAAAAAAAAu+DjDP///wgAAAAAAAAAAAAAAAAAAAAAAAAAAAAAAAAAAAAAZAAAAAEAAABAAAAAAAAAAAAAAAAAAAAAAAAAAAAAAAAAAAAAAAAAAAAAAAAAAAAAAAAAAAAAAAAAAAAAAAAAAAAAAAAAAAAAAAAAAAAAAAAAAAAAAAAAAAAAAAAAAAAAFAAAADwAAAAAAAAAAAAAAAAAAAkUAAAAAQAAABQAAAAUAAAAFAAAAAEAAAAAAAAAZAAAAGQAAAAAAAAAZAAAAGQAAAAVAAAAYAAAAAAAAAAAAAAADwAAACADAAAAAAAAAAAAAAEAAACgMgAAVgcAAKr4//8BAAAAf39/AAEAAABkAAAAAAAAABQAAABAHwAAAAAAACYAAAAAAAAAwOD//wAAAAAmAAAAZAAAABYAAABMAAAAAAAAAAAAAAAEAAAAAAAAAAEAAACAgIAKAAAAACgAAAAoAAAAZAAAAGQAAAAAAAAAzMzMAAAAAABQAAAAUAAAAGQAAABkAAAAAAAAABcAAAAUAAAAAAAAAAAAAAD/fwAA/38AAAAAAAAJAAAABAAAAGQAAAAMAAAAEAAAAAAAAAAAAAAAAAAAAAAAAAAeAAAAaAAAAAAAAAAAAAAAAAAAAAAAAAAAAAAAECcAABAnAAAAAAAAAAAAAAAAAAAAAAAAAAAAAAAAAAAAAAAAAAAAABQAAAAAAAAAwMD/AAAAAABkAAAAMgAAAAAAAABkAAAAAAAAAH9/fwAKAAAAHwAAAFQAAAAAAAAFAAAAAQAAAAAAAAAAAAAAAAAAAAAAAAAAAAAAAAAAAAAAAAAAAAAAAn9/fwAAAAADzMzMAMDA/wB/f38AAAAAAAAAAAAAAAAAAAAAAAAAAAAhAAAAGAAAABQAAADQAgAA1AgAAFIVAACwJQAAEAAAACYAAAAIAAAAAYAAAAAAAAA="/>
               </a:ext>
             </a:extLst>
           </p:cNvSpPr>
@@ -2385,7 +2385,7 @@
             <a:spLocks noGrp="1" noChangeArrowheads="1"/>
             <a:extLst>
               <a:ext uri="smNativeData">
-                <pr:smNativeData xmlns:pr="smNativeData" val="SMDATA_13_B6msYxMAAAAlAAAAZAAAAA8BAAAAkAAAAEgAAACQAAAASAAAAAAAAAABAAAAAAAAAAEAAABQAAAAAAAAAAAA4D8AAAAAAADgPwAAAAAAAOA/AAAAAAAA4D8AAAAAAADgPwAAAAAAAOA/AAAAAAAA4D8AAAAAAADgPwAAAAAAAOA/AAAAAAAA4D8CAAAAjAAAAAAAAAAAAAAAu+DjDP///wgAAAAAAAAAAAAAAAAAAAAAAAAAAAAAAAAAAAAAZAAAAAEAAABAAAAAAAAAAAAAAAAAAAAAAAAAAAAAAAAAAAAAAAAAAAAAAAAAAAAAAAAAAAAAAAAAAAAAAAAAAAAAAAAAAAAAAAAAAAAAAAAAAAAAAAAAAAAAAAAAAAAAFAAAADwAAAAAAAAAAAAAAAAAAAkUAAAAAQAAABQAAAAUAAAAFAAAAAEAAAAAAAAAZAAAAGQAAAAAAAAAZAAAAGQAAAAVAAAAYAAAAAAAAAAAAAAADwAAACADAAAAAAAAAAAAAAEAAACgMgAAVgcAAKr4//8BAAAAf39/AAEAAABkAAAAAAAAABQAAABAHwAAAAAAACYAAAAAAAAAwOD//wAAAAAmAAAAZAAAABYAAABMAAAAAAAAAAAAAAAEAAAAAAAAAAEAAACAgIAKAAAAACgAAAAoAAAAZAAAAGQAAAAAAAAAzMzMAAAAAABQAAAAUAAAAGQAAABkAAAAAAAAABcAAAAUAAAAAAAAAAAAAAD/fwAA/38AAAAAAAAJAAAABAAAAAAAAAAMAAAAEAAAAAAAAAAAAAAAAAAAAAAAAAAeAAAAaAAAAAAAAAAAAAAAAAAAAAAAAAAAAAAAECcAABAnAAAAAAAAAAAAAAAAAAAAAAAAAAAAAAAAAAAAAAAAAAAAABQAAAAAAAAAwMD/AAAAAABkAAAAMgAAAAAAAABkAAAAAAAAAH9/fwAKAAAAHwAAAFQAAAAAAAAFAAAAAQAAAAAAAAAAAAAAAAAAAAAAAAAAAAAAAAAAAAAAAAAAAAAAAn9/fwAAAAADzMzMAMDA/wB/f38AAAAAAAAAAAAAAAAAAAAAAAAAAAAhAAAAGAAAABQAAADQAgAAGycAAPAPAABZKQAAEAAAACYAAAAIAAAAAAAAAAAAAAA="/>
+                <pr:smNativeData xmlns:pr="smNativeData" val="SMDATA_13_Na6sYxMAAAAlAAAAZAAAAA8BAAAAkAAAAEgAAACQAAAASAAAAAAAAAABAAAAAAAAAAEAAABQAAAAAAAAAAAA4D8AAAAAAADgPwAAAAAAAOA/AAAAAAAA4D8AAAAAAADgPwAAAAAAAOA/AAAAAAAA4D8AAAAAAADgPwAAAAAAAOA/AAAAAAAA4D8CAAAAjAAAAAAAAAAAAAAAu+DjDP///wgAAAAAAAAAAAAAAAAAAAAAAAAAAAAAAAAAAAAAZAAAAAEAAABAAAAAAAAAAAAAAAAAAAAAAAAAAAAAAAAAAAAAAAAAAAAAAAAAAAAAAAAAAAAAAAAAAAAAAAAAAAAAAAAAAAAAAAAAAAAAAAAAAAAAAAAAAAAAAAAAAAAAFAAAADwAAAAAAAAAAAAAAAAAAAkUAAAAAQAAABQAAAAUAAAAFAAAAAEAAAAAAAAAZAAAAGQAAAAAAAAAZAAAAGQAAAAVAAAAYAAAAAAAAAAAAAAADwAAACADAAAAAAAAAAAAAAEAAACgMgAAVgcAAKr4//8BAAAAf39/AAEAAABkAAAAAAAAABQAAABAHwAAAAAAACYAAAAAAAAAwOD//wAAAAAmAAAAZAAAABYAAABMAAAAAAAAAAAAAAAEAAAAAAAAAAEAAACAgIAKAAAAACgAAAAoAAAAZAAAAGQAAAAAAAAAzMzMAAAAAABQAAAAUAAAAGQAAABkAAAAAAAAABcAAAAUAAAAAAAAAAAAAAD/fwAA/38AAAAAAAAJAAAABAAAAAAAAAAMAAAAEAAAAAAAAAAAAAAAAAAAAAAAAAAeAAAAaAAAAAAAAAAAAAAAAAAAAAAAAAAAAAAAECcAABAnAAAAAAAAAAAAAAAAAAAAAAAAAAAAAAAAAAAAAAAAAAAAABQAAAAAAAAAwMD/AAAAAABkAAAAMgAAAAAAAABkAAAAAAAAAH9/fwAKAAAAHwAAAFQAAAAAAAAFAAAAAQAAAAAAAAAAAAAAAAAAAAAAAAAAAAAAAAAAAAAAAAAAAAAAAn9/fwAAAAADzMzMAMDA/wB/f38AAAAAAAAAAAAAAAAAAAAAAAAAAAAhAAAAGAAAABQAAADQAgAAGycAAPAPAABZKQAAEAAAACYAAAAIAAAAAAAAAAAAAAA="/>
               </a:ext>
             </a:extLst>
           </p:cNvSpPr>
@@ -2399,7 +2399,7 @@
           <a:lstStyle/>
           <a:p>
             <a:pPr/>
-            <a:fld id="{1CA1A869-27F1-F45E-BF19-D10BE6574984}" type="datetime1">
+            <a:fld id="{1CB532DD-93F1-E0C4-BF0D-65917C434930}" type="datetime1">
               <a:t/>
             </a:fld>
           </a:p>
@@ -2412,7 +2412,7 @@
             <a:spLocks noGrp="1" noChangeArrowheads="1"/>
             <a:extLst>
               <a:ext uri="smNativeData">
-                <pr:smNativeData xmlns:pr="smNativeData" val="SMDATA_13_B6msYxMAAAAlAAAAZAAAAA8BAAAAkAAAAEgAAACQAAAASAAAAAAAAAABAAAAAAAAAAEAAABQAAAAAAAAAAAA4D8AAAAAAADgPwAAAAAAAOA/AAAAAAAA4D8AAAAAAADgPwAAAAAAAOA/AAAAAAAA4D8AAAAAAADgPwAAAAAAAOA/AAAAAAAA4D8CAAAAjAAAAAAAAAAAAAAAu+DjDP///wgAAAAAAAAAAAAAAAAAAAAAAAAAAAAAAAAAAAAAZAAAAAEAAABAAAAAAAAAAAAAAAAAAAAAAAAAAAAAAAAAAAAAAAAAAAAAAAAAAAAAAAAAAAAAAAAAAAAAAAAAAAAAAAAAAAAAAAAAAAAAAAAAAAAAAAAAAAAAAAAAAAAAFAAAADwAAAAAAAAAAAAAAAAAAAkUAAAAAQAAABQAAAAUAAAAFAAAAAEAAAAAAAAAZAAAAGQAAAAAAAAAZAAAAGQAAAAVAAAAYAAAAAAAAAAAAAAADwAAACADAAAAAAAAAAAAAAEAAACgMgAAVgcAAKr4//8BAAAAf39/AAEAAABkAAAAAAAAABQAAABAHwAAAAAAACYAAAAAAAAAwOD//wAAAAAmAAAAZAAAABYAAABMAAAAAAAAAAAAAAAEAAAAAAAAAAEAAACAgIAKAAAAACgAAAAoAAAAZAAAAGQAAAAAAAAAzMzMAAAAAABQAAAAUAAAAGQAAABkAAAAAAAAABcAAAAUAAAAAAAAAAAAAAD/fwAA/38AAAAAAAAJAAAABAAAAAAAAAAMAAAAEAAAAAAAAAAAAAAAAAAAAAAAAAAeAAAAaAAAAAAAAAAAAAAAAAAAAAAAAAAAAAAAECcAABAnAAAAAAAAAAAAAAAAAAAAAAAAAAAAAAAAAAAAAAAAAAAAABQAAAAAAAAAwMD/AAAAAABkAAAAMgAAAAAAAABkAAAAAAAAAH9/fwAKAAAAHwAAAFQAAAAAAAAFAAAAAQAAAAAAAAAAAAAAAAAAAAAAAAAAAAAAAAAAAAAAAAAAAAAAAn9/fwAAAAADzMzMAMDA/wB/f38AAAAAAAAAAAAAAAAAAAAAAAAAAAAhAAAAGAAAABQAAAA4EwAAGycAAAglAABZKQAAEAAAACYAAAAIAAAAAAAAAAAAAAA="/>
+                <pr:smNativeData xmlns:pr="smNativeData" val="SMDATA_13_Na6sYxMAAAAlAAAAZAAAAA8BAAAAkAAAAEgAAACQAAAASAAAAAAAAAABAAAAAAAAAAEAAABQAAAAAAAAAAAA4D8AAAAAAADgPwAAAAAAAOA/AAAAAAAA4D8AAAAAAADgPwAAAAAAAOA/AAAAAAAA4D8AAAAAAADgPwAAAAAAAOA/AAAAAAAA4D8CAAAAjAAAAAAAAAAAAAAAu+DjDP///wgAAAAAAAAAAAAAAAAAAAAAAAAAAAAAAAAAAAAAZAAAAAEAAABAAAAAAAAAAAAAAAAAAAAAAAAAAAAAAAAAAAAAAAAAAAAAAAAAAAAAAAAAAAAAAAAAAAAAAAAAAAAAAAAAAAAAAAAAAAAAAAAAAAAAAAAAAAAAAAAAAAAAFAAAADwAAAAAAAAAAAAAAAAAAAkUAAAAAQAAABQAAAAUAAAAFAAAAAEAAAAAAAAAZAAAAGQAAAAAAAAAZAAAAGQAAAAVAAAAYAAAAAAAAAAAAAAADwAAACADAAAAAAAAAAAAAAEAAACgMgAAVgcAAKr4//8BAAAAf39/AAEAAABkAAAAAAAAABQAAABAHwAAAAAAACYAAAAAAAAAwOD//wAAAAAmAAAAZAAAABYAAABMAAAAAAAAAAAAAAAEAAAAAAAAAAEAAACAgIAKAAAAACgAAAAoAAAAZAAAAGQAAAAAAAAAzMzMAAAAAABQAAAAUAAAAGQAAABkAAAAAAAAABcAAAAUAAAAAAAAAAAAAAD/fwAA/38AAAAAAAAJAAAABAAAAAAAAAAMAAAAEAAAAAAAAAAAAAAAAAAAAAAAAAAeAAAAaAAAAAAAAAAAAAAAAAAAAAAAAAAAAAAAECcAABAnAAAAAAAAAAAAAAAAAAAAAAAAAAAAAAAAAAAAAAAAAAAAABQAAAAAAAAAwMD/AAAAAABkAAAAMgAAAAAAAABkAAAAAAAAAH9/fwAKAAAAHwAAAFQAAAAAAAAFAAAAAQAAAAAAAAAAAAAAAAAAAAAAAAAAAAAAAAAAAAAAAAAAAAAAAn9/fwAAAAADzMzMAMDA/wB/f38AAAAAAAAAAAAAAAAAAAAAAAAAAAAhAAAAGAAAABQAAAA4EwAAGycAAAglAABZKQAAEAAAACYAAAAIAAAAAAAAAAAAAAA="/>
               </a:ext>
             </a:extLst>
           </p:cNvSpPr>
@@ -2436,7 +2436,7 @@
             <a:spLocks noGrp="1" noChangeArrowheads="1"/>
             <a:extLst>
               <a:ext uri="smNativeData">
-                <pr:smNativeData xmlns:pr="smNativeData" val="SMDATA_13_B6msYxMAAAAlAAAAZAAAAA8BAAAAkAAAAEgAAACQAAAASAAAAAAAAAABAAAAAAAAAAEAAABQAAAAAAAAAAAA4D8AAAAAAADgPwAAAAAAAOA/AAAAAAAA4D8AAAAAAADgPwAAAAAAAOA/AAAAAAAA4D8AAAAAAADgPwAAAAAAAOA/AAAAAAAA4D8CAAAAjAAAAAAAAAAAAAAAu+DjDP///wgAAAAAAAAAAAAAAAAAAAAAAAAAAAAAAAAAAAAAZAAAAAEAAABAAAAAAAAAAAAAAAAAAAAAAAAAAAAAAAAAAAAAAAAAAAAAAAAAAAAAAAAAAAAAAAAAAAAAAAAAAAAAAAAAAAAAAAAAAAAAAAAAAAAAAAAAAAAAAAAAAAAAFAAAADwAAAAAAAAAAAAAAAAAAAkUAAAAAQAAABQAAAAUAAAAFAAAAAEAAAAAAAAAZAAAAGQAAAAAAAAAZAAAAGQAAAAVAAAAYAAAAAAAAAAAAAAADwAAACADAAAAAAAAAAAAAAEAAACgMgAAVgcAAKr4//8BAAAAf39/AAEAAABkAAAAAAAAABQAAABAHwAAAAAAACYAAAAAAAAAwOD//wAAAAAmAAAAZAAAABYAAABMAAAAAAAAAAAAAAAEAAAAAAAAAAEAAACAgIAKAAAAACgAAAAoAAAAZAAAAGQAAAAAAAAAzMzMAAAAAABQAAAAUAAAAGQAAABkAAAAAAAAABcAAAAUAAAAAAAAAAAAAAD/fwAA/38AAAAAAAAJAAAABAAAAAAAAAAMAAAAEAAAAAAAAAAAAAAAAAAAAAAAAAAeAAAAaAAAAAAAAAAAAAAAAAAAAAAAAAAAAAAAECcAABAnAAAAAAAAAAAAAAAAAAAAAAAAAAAAAAAAAAAAAAAAAAAAABQAAAAAAAAAwMD/AAAAAABkAAAAMgAAAAAAAABkAAAAAAAAAH9/fwAKAAAAHwAAAFQAAAAAAAAFAAAAAQAAAAAAAAAAAAAAAAAAAAAAAAAAAAAAAAAAAAAAAAAAAAAAAn9/fwAAAAADzMzMAMDA/wB/f38AAAAAAAAAAAAAAAAAAAAAAAAAAAAhAAAAGAAAABQAAABQKAAAGycAAHA1AABZKQAAEAAAACYAAAAIAAAAAAAAAAAAAAA="/>
+                <pr:smNativeData xmlns:pr="smNativeData" val="SMDATA_13_Na6sYxMAAAAlAAAAZAAAAA8BAAAAkAAAAEgAAACQAAAASAAAAAAAAAABAAAAAAAAAAEAAABQAAAAAAAAAAAA4D8AAAAAAADgPwAAAAAAAOA/AAAAAAAA4D8AAAAAAADgPwAAAAAAAOA/AAAAAAAA4D8AAAAAAADgPwAAAAAAAOA/AAAAAAAA4D8CAAAAjAAAAAAAAAAAAAAAu+DjDP///wgAAAAAAAAAAAAAAAAAAAAAAAAAAAAAAAAAAAAAZAAAAAEAAABAAAAAAAAAAAAAAAAAAAAAAAAAAAAAAAAAAAAAAAAAAAAAAAAAAAAAAAAAAAAAAAAAAAAAAAAAAAAAAAAAAAAAAAAAAAAAAAAAAAAAAAAAAAAAAAAAAAAAFAAAADwAAAAAAAAAAAAAAAAAAAkUAAAAAQAAABQAAAAUAAAAFAAAAAEAAAAAAAAAZAAAAGQAAAAAAAAAZAAAAGQAAAAVAAAAYAAAAAAAAAAAAAAADwAAACADAAAAAAAAAAAAAAEAAACgMgAAVgcAAKr4//8BAAAAf39/AAEAAABkAAAAAAAAABQAAABAHwAAAAAAACYAAAAAAAAAwOD//wAAAAAmAAAAZAAAABYAAABMAAAAAAAAAAAAAAAEAAAAAAAAAAEAAACAgIAKAAAAACgAAAAoAAAAZAAAAGQAAAAAAAAAzMzMAAAAAABQAAAAUAAAAGQAAABkAAAAAAAAABcAAAAUAAAAAAAAAAAAAAD/fwAA/38AAAAAAAAJAAAABAAAAAAAAAAMAAAAEAAAAAAAAAAAAAAAAAAAAAAAAAAeAAAAaAAAAAAAAAAAAAAAAAAAAAAAAAAAAAAAECcAABAnAAAAAAAAAAAAAAAAAAAAAAAAAAAAAAAAAAAAAAAAAAAAABQAAAAAAAAAwMD/AAAAAABkAAAAMgAAAAAAAABkAAAAAAAAAH9/fwAKAAAAHwAAAFQAAAAAAAAFAAAAAQAAAAAAAAAAAAAAAAAAAAAAAAAAAAAAAAAAAAAAAAAAAAAAAn9/fwAAAAADzMzMAMDA/wB/f38AAAAAAAAAAAAAAAAAAAAAAAAAAAAhAAAAGAAAABQAAABQKAAAGycAAHA1AABZKQAAEAAAACYAAAAIAAAAAAAAAAAAAAA="/>
               </a:ext>
             </a:extLst>
           </p:cNvSpPr>
@@ -2450,7 +2450,7 @@
           <a:lstStyle/>
           <a:p>
             <a:pPr/>
-            <a:fld id="{1CA1FEE2-ACF1-F408-BF19-5A5DB057490F}" type="slidenum">
+            <a:fld id="{1CB5799C-D2F1-E08F-BF0D-24DA37434971}" type="slidenum">
               <a:t/>
             </a:fld>
           </a:p>
@@ -2488,7 +2488,7 @@
             <a:spLocks noGrp="1" noChangeArrowheads="1"/>
             <a:extLst>
               <a:ext uri="smNativeData">
-                <pr:smNativeData xmlns:pr="smNativeData" val="SMDATA_13_B6msYxMAAAAlAAAAZAAAAA8BAAAAkAAAAEgAAACQAAAASAAAAAAAAAACAAAAAAAAAAEAAABQAAAAAAAAAAAA4D8AAAAAAADgPwAAAAAAAOA/AAAAAAAA4D8AAAAAAADgPwAAAAAAAOA/AAAAAAAA4D8AAAAAAADgPwAAAAAAAOA/AAAAAAAA4D8CAAAAjAAAAAAAAAAAAAAAu+DjDP///wgAAAAAAAAAAAAAAAAAAAAAAAAAAAAAAAAAAAAAZAAAAAEAAABAAAAAAAAAAAAAAAAAAAAAAAAAAAAAAAAAAAAAAAAAAAAAAAAAAAAAAAAAAAAAAAAAAAAAAAAAAAAAAAAAAAAAAAAAAAAAAAAAAAAAAAAAAAAAAAAAAAAAFAAAADwAAAAAAAAAAAAAAAAAAAkUAAAAAQAAABQAAAAUAAAAFAAAAAEAAAAAAAAAZAAAAGQAAAAAAAAAZAAAAGQAAAAVAAAAYAAAAAAAAAAAAAAADwAAACADAAAAAAAAAAAAAAEAAACgMgAAVgcAAKr4//8BAAAAf39/AAEAAABkAAAAAAAAABQAAABAHwAAAAAAACYAAAAAAAAAwOD//wAAAAAmAAAAZAAAABYAAABMAAAAAAAAAAAAAAAEAAAAAAAAAAEAAACAgIAKAAAAACgAAAAoAAAAZAAAAGQAAAAAAAAAzMzMAAAAAABQAAAAUAAAAGQAAABkAAAAAAAAABcAAAAUAAAAAAAAAAAAAAD/fwAA/38AAAAAAAAJAAAABAAAAH9/fwAMAAAAEAAAAAAAAAAAAAAAAAAAAAAAAAAeAAAAaAAAAAAAAAAAAAAAAAAAAAAAAAAAAAAAECcAABAnAAAAAAAAAAAAAAAAAAAAAAAAAAAAAAAAAAAAAAAAAAAAABQAAAAAAAAAwMD/AAAAAABkAAAAMgAAAAAAAABkAAAAAAAAAH9/fwAKAAAAHwAAAFQAAAAAAAAFAAAAAQAAAAAAAAAAAAAAAAAAAAAAAAAAAAAAAAAAAAAAAAAAAAAAAn9/fwAAAAADzMzMAMDA/wB/f38AAAAAAAAAAAAAAAAAAAAAAAAAAAAhAAAAGAAAABQAAAAGCwAAiB0AAMYsAAAEIQAAEAAAACYAAAAIAAAAgYAAAAAAAAA="/>
+                <pr:smNativeData xmlns:pr="smNativeData" val="SMDATA_13_Na6sYxMAAAAlAAAAZAAAAA8BAAAAkAAAAEgAAACQAAAASAAAAAAAAAACAAAAAAAAAAEAAABQAAAAAAAAAAAA4D8AAAAAAADgPwAAAAAAAOA/AAAAAAAA4D8AAAAAAADgPwAAAAAAAOA/AAAAAAAA4D8AAAAAAADgPwAAAAAAAOA/AAAAAAAA4D8CAAAAjAAAAAAAAAAAAAAAu+DjDP///wgAAAAAAAAAAAAAAAAAAAAAAAAAAAAAAAAAAAAAZAAAAAEAAABAAAAAAAAAAAAAAAAAAAAAAAAAAAAAAAAAAAAAAAAAAAAAAAAAAAAAAAAAAAAAAAAAAAAAAAAAAAAAAAAAAAAAAAAAAAAAAAAAAAAAAAAAAAAAAAAAAAAAFAAAADwAAAAAAAAAAAAAAAAAAAkUAAAAAQAAABQAAAAUAAAAFAAAAAEAAAAAAAAAZAAAAGQAAAAAAAAAZAAAAGQAAAAVAAAAYAAAAAAAAAAAAAAADwAAACADAAAAAAAAAAAAAAEAAACgMgAAVgcAAKr4//8BAAAAf39/AAEAAABkAAAAAAAAABQAAABAHwAAAAAAACYAAAAAAAAAwOD//wAAAAAmAAAAZAAAABYAAABMAAAAAAAAAAAAAAAEAAAAAAAAAAEAAACAgIAKAAAAACgAAAAoAAAAZAAAAGQAAAAAAAAAzMzMAAAAAABQAAAAUAAAAGQAAABkAAAAAAAAABcAAAAUAAAAAAAAAAAAAAD/fwAA/38AAAAAAAAJAAAABAAAAH9/fwAMAAAAEAAAAAAAAAAAAAAAAAAAAAAAAAAeAAAAaAAAAAAAAAAAAAAAAAAAAAAAAAAAAAAAECcAABAnAAAAAAAAAAAAAAAAAAAAAAAAAAAAAAAAAAAAAAAAAAAAABQAAAAAAAAAwMD/AAAAAABkAAAAMgAAAAAAAABkAAAAAAAAAH9/fwAKAAAAHwAAAFQAAAAAAAAFAAAAAQAAAAAAAAAAAAAAAAAAAAAAAAAAAAAAAAAAAAAAAAAAAAAAAn9/fwAAAAADzMzMAMDA/wB/f38AAAAAAAAAAAAAAAAAAAAAAAAAAAAhAAAAGAAAABQAAAAGCwAAiB0AAMYsAAAEIQAAEAAAACYAAAAIAAAAgYAAAAAAAAA="/>
               </a:ext>
             </a:extLst>
           </p:cNvSpPr>
@@ -2528,7 +2528,7 @@
             <a:spLocks noGrp="1" noChangeArrowheads="1"/>
             <a:extLst>
               <a:ext uri="smNativeData">
-                <pr:smNativeData xmlns:pr="smNativeData" val="SMDATA_13_B6msYxMAAAAlAAAAZAAAAA8BAAAAkAAAAEgAAACQAAAASAAAAAAAAAAAAAAAAAAAAAEAAABQAAAAAAAAAAAA4D8AAAAAAADgPwAAAAAAAOA/AAAAAAAA4D8AAAAAAADgPwAAAAAAAOA/AAAAAAAA4D8AAAAAAADgPwAAAAAAAOA/AAAAAAAA4D8CAAAAjAAAAAAAAAAAAAAAu+DjDP///wgAAAAAAAAAAAAAAAAAAAAAAAAAAAAAAAAAAAAAZAAAAAEAAABAAAAAAAAAAAAAAAAAAAAAAAAAAAAAAAAAAAAAAAAAAAAAAAAAAAAAAAAAAAAAAAAAAAAAAAAAAAAAAAAAAAAAAAAAAAAAAAAAAAAAAAAAAAAAAAAAAAAAFAAAADwAAAAAAAAAAAAAAAAAAAkUAAAAAQAAABQAAAAUAAAAFAAAAAEAAAAAAAAAZAAAAGQAAAAAAAAAZAAAAGQAAAAVAAAAYAAAAAAAAAAAAAAADwAAACADAAAAAAAAAAAAAAEAAACgMgAAVgcAAKr4//8BAAAAf39/AAEAAABkAAAAAAAAABQAAABAHwAAAAAAACYAAAAAAAAAwOD//wAAAAAmAAAAZAAAABYAAABMAAAAAAAAAAAAAAAEAAAAAAAAAAEAAACAgIAKAAAAACgAAAAoAAAAZAAAAGQAAAAAAAAAzMzMAAAAAABQAAAAUAAAAGQAAABkAAAAAAAAABcAAAAUAAAAAAAAAAAAAAD/fwAA/38AAAAAAAAJAAAABAAAAAAAAAAMAAAAEAAAAAAAAAAAAAAAAAAAAAAAAAAeAAAAaAAAAAAAAAAAAAAAAAAAAAAAAAAAAAAAECcAABAnAAAAAAAAAAAAAAAAAAAAAAAAAAAAAAAAAAAAAAAAAAAAABQAAAAAAAAAwMD/AAAAAABkAAAAMgAAAAAAAABkAAAAAAAAAH9/fwAKAAAAHwAAAFQAAAAAAAAFAAAAAQAAAAAAAAAAAAAAAAAAAAAAAAAAAAAAAAAAAAAAAAAAAAAAAn9/fwAAAAADzMzMAMDA/wB/f38AAAAAAAAAAAAAAAAAAAAAAAAAAAAhAAAAGAAAABQAAAAGCwAAxgMAAMYsAAAWHQAAEAAAACYAAAAIAAAAAYAAAAAAAAA="/>
+                <pr:smNativeData xmlns:pr="smNativeData" val="SMDATA_13_Na6sYxMAAAAlAAAAZAAAAA8BAAAAkAAAAEgAAACQAAAASAAAAAAAAAAAAAAAAAAAAAEAAABQAAAAAAAAAAAA4D8AAAAAAADgPwAAAAAAAOA/AAAAAAAA4D8AAAAAAADgPwAAAAAAAOA/AAAAAAAA4D8AAAAAAADgPwAAAAAAAOA/AAAAAAAA4D8CAAAAjAAAAAAAAAAAAAAAu+DjDP///wgAAAAAAAAAAAAAAAAAAAAAAAAAAAAAAAAAAAAAZAAAAAEAAABAAAAAAAAAAAAAAAAAAAAAAAAAAAAAAAAAAAAAAAAAAAAAAAAAAAAAAAAAAAAAAAAAAAAAAAAAAAAAAAAAAAAAAAAAAAAAAAAAAAAAAAAAAAAAAAAAAAAAFAAAADwAAAAAAAAAAAAAAAAAAAkUAAAAAQAAABQAAAAUAAAAFAAAAAEAAAAAAAAAZAAAAGQAAAAAAAAAZAAAAGQAAAAVAAAAYAAAAAAAAAAAAAAADwAAACADAAAAAAAAAAAAAAEAAACgMgAAVgcAAKr4//8BAAAAf39/AAEAAABkAAAAAAAAABQAAABAHwAAAAAAACYAAAAAAAAAwOD//wAAAAAmAAAAZAAAABYAAABMAAAAAAAAAAAAAAAEAAAAAAAAAAEAAACAgIAKAAAAACgAAAAoAAAAZAAAAGQAAAAAAAAAzMzMAAAAAABQAAAAUAAAAGQAAABkAAAAAAAAABcAAAAUAAAAAAAAAAAAAAD/fwAA/38AAAAAAAAJAAAABAAAAAAAAAAMAAAAEAAAAAAAAAAAAAAAAAAAAAAAAAAeAAAAaAAAAAAAAAAAAAAAAAAAAAAAAAAAAAAAECcAABAnAAAAAAAAAAAAAAAAAAAAAAAAAAAAAAAAAAAAAAAAAAAAABQAAAAAAAAAwMD/AAAAAABkAAAAMgAAAAAAAABkAAAAAAAAAH9/fwAKAAAAHwAAAFQAAAAAAAAFAAAAAQAAAAAAAAAAAAAAAAAAAAAAAAAAAAAAAAAAAAAAAAAAAAAAAn9/fwAAAAADzMzMAMDA/wB/f38AAAAAAAAAAAAAAAAAAAAAAAAAAAAhAAAAGAAAABQAAAAGCwAAxgMAAMYsAAAWHQAAEAAAACYAAAAIAAAAAYAAAAAAAAA="/>
               </a:ext>
             </a:extLst>
           </p:cNvSpPr>
@@ -2597,7 +2597,7 @@
             <a:spLocks noGrp="1" noChangeArrowheads="1"/>
             <a:extLst>
               <a:ext uri="smNativeData">
-                <pr:smNativeData xmlns:pr="smNativeData" val="SMDATA_13_B6msYxMAAAAlAAAAZAAAAA8BAAAAkAAAAEgAAACQAAAASAAAAAAAAAAAAAAAAAAAAAEAAABQAAAAAAAAAAAA4D8AAAAAAADgPwAAAAAAAOA/AAAAAAAA4D8AAAAAAADgPwAAAAAAAOA/AAAAAAAA4D8AAAAAAADgPwAAAAAAAOA/AAAAAAAA4D8CAAAAjAAAAAAAAAAAAAAAu+DjDP///wgAAAAAAAAAAAAAAAAAAAAAAAAAAAAAAAAAAAAAZAAAAAEAAABAAAAAAAAAAAAAAAAAAAAAAAAAAAAAAAAAAAAAAAAAAAAAAAAAAAAAAAAAAAAAAAAAAAAAAAAAAAAAAAAAAAAAAAAAAAAAAAAAAAAAAAAAAAAAAAAAAAAAFAAAADwAAAAAAAAAAAAAAAAAAAkUAAAAAQAAABQAAAAUAAAAFAAAAAEAAAAAAAAAZAAAAGQAAAAAAAAAZAAAAGQAAAAVAAAAYAAAAAAAAAAAAAAADwAAACADAAAAAAAAAAAAAAEAAACgMgAAVgcAAKr4//8BAAAAf39/AAEAAABkAAAAAAAAABQAAABAHwAAAAAAACYAAAAAAAAAwOD//wAAAAAmAAAAZAAAABYAAABMAAAAAAAAAAAAAAAEAAAAAAAAAAEAAACAgIAKAAAAACgAAAAoAAAAZAAAAGQAAAAAAAAAzMzMAAAAAABQAAAAUAAAAGQAAABkAAAAAAAAABcAAAAUAAAAAAAAAAAAAAD/fwAA/38AAAAAAAAJAAAABAAAAAAAAAAMAAAAEAAAAAAAAAAAAAAAAAAAAAAAAAAeAAAAaAAAAAAAAAAAAAAAAAAAAAAAAAAAAAAAECcAABAnAAAAAAAAAAAAAAAAAAAAAAAAAAAAAAAAAAAAAAAAAAAAABQAAAAAAAAAwMD/AAAAAABkAAAAMgAAAAAAAABkAAAAAAAAAH9/fwAKAAAAHwAAAFQAAAAAAAAFAAAAAQAAAAAAAAAAAAAAAAAAAAAAAAAAAAAAAAAAAAAAAAAAAAAAAn9/fwAAAAADzMzMAMDA/wB/f38AAAAAAAAAAAAAAAAAAAAAAAAAAAAhAAAAGAAAABQAAAAGCwAABCEAAMYsAAD4JQAAEAAAACYAAAAIAAAAAYAAAAAAAAA="/>
+                <pr:smNativeData xmlns:pr="smNativeData" val="SMDATA_13_Na6sYxMAAAAlAAAAZAAAAA8BAAAAkAAAAEgAAACQAAAASAAAAAAAAAAAAAAAAAAAAAEAAABQAAAAAAAAAAAA4D8AAAAAAADgPwAAAAAAAOA/AAAAAAAA4D8AAAAAAADgPwAAAAAAAOA/AAAAAAAA4D8AAAAAAADgPwAAAAAAAOA/AAAAAAAA4D8CAAAAjAAAAAAAAAAAAAAAu+DjDP///wgAAAAAAAAAAAAAAAAAAAAAAAAAAAAAAAAAAAAAZAAAAAEAAABAAAAAAAAAAAAAAAAAAAAAAAAAAAAAAAAAAAAAAAAAAAAAAAAAAAAAAAAAAAAAAAAAAAAAAAAAAAAAAAAAAAAAAAAAAAAAAAAAAAAAAAAAAAAAAAAAAAAAFAAAADwAAAAAAAAAAAAAAAAAAAkUAAAAAQAAABQAAAAUAAAAFAAAAAEAAAAAAAAAZAAAAGQAAAAAAAAAZAAAAGQAAAAVAAAAYAAAAAAAAAAAAAAADwAAACADAAAAAAAAAAAAAAEAAACgMgAAVgcAAKr4//8BAAAAf39/AAEAAABkAAAAAAAAABQAAABAHwAAAAAAACYAAAAAAAAAwOD//wAAAAAmAAAAZAAAABYAAABMAAAAAAAAAAAAAAAEAAAAAAAAAAEAAACAgIAKAAAAACgAAAAoAAAAZAAAAGQAAAAAAAAAzMzMAAAAAABQAAAAUAAAAGQAAABkAAAAAAAAABcAAAAUAAAAAAAAAAAAAAD/fwAA/38AAAAAAAAJAAAABAAAAAAAAAAMAAAAEAAAAAAAAAAAAAAAAAAAAAAAAAAeAAAAaAAAAAAAAAAAAAAAAAAAAAAAAAAAAAAAECcAABAnAAAAAAAAAAAAAAAAAAAAAAAAAAAAAAAAAAAAAAAAAAAAABQAAAAAAAAAwMD/AAAAAABkAAAAMgAAAAAAAABkAAAAAAAAAH9/fwAKAAAAHwAAAFQAAAAAAAAFAAAAAQAAAAAAAAAAAAAAAAAAAAAAAAAAAAAAAAAAAAAAAAAAAAAAAn9/fwAAAAADzMzMAMDA/wB/f38AAAAAAAAAAAAAAAAAAAAAAAAAAAAhAAAAGAAAABQAAAAGCwAABCEAAMYsAAD4JQAAEAAAACYAAAAIAAAAAYAAAAAAAAA="/>
               </a:ext>
             </a:extLst>
           </p:cNvSpPr>
@@ -2666,7 +2666,7 @@
             <a:spLocks noGrp="1" noChangeArrowheads="1"/>
             <a:extLst>
               <a:ext uri="smNativeData">
-                <pr:smNativeData xmlns:pr="smNativeData" val="SMDATA_13_B6msYxMAAAAlAAAAZAAAAA8BAAAAkAAAAEgAAACQAAAASAAAAAAAAAABAAAAAAAAAAEAAABQAAAAAAAAAAAA4D8AAAAAAADgPwAAAAAAAOA/AAAAAAAA4D8AAAAAAADgPwAAAAAAAOA/AAAAAAAA4D8AAAAAAADgPwAAAAAAAOA/AAAAAAAA4D8CAAAAjAAAAAAAAAAAAAAAu+DjDP///wgAAAAAAAAAAAAAAAAAAAAAAAAAAAAAAAAAAAAAZAAAAAEAAABAAAAAAAAAAAAAAAAAAAAAAAAAAAAAAAAAAAAAAAAAAAAAAAAAAAAAAAAAAAAAAAAAAAAAAAAAAAAAAAAAAAAAAAAAAAAAAAAAAAAAAAAAAAAAAAAAAAAAFAAAADwAAAAAAAAAAAAAAAAAAAkUAAAAAQAAABQAAAAUAAAAFAAAAAEAAAAAAAAAZAAAAGQAAAAAAAAAZAAAAGQAAAAVAAAAYAAAAAAAAAAAAAAADwAAACADAAAAAAAAAAAAAAEAAACgMgAAVgcAAKr4//8BAAAAf39/AAEAAABkAAAAAAAAABQAAABAHwAAAAAAACYAAAAAAAAAwOD//wAAAAAmAAAAZAAAABYAAABMAAAAAAAAAAAAAAAEAAAAAAAAAAEAAACAgIAKAAAAACgAAAAoAAAAZAAAAGQAAAAAAAAAzMzMAAAAAABQAAAAUAAAAGQAAABkAAAAAAAAABcAAAAUAAAAAAAAAAAAAAD/fwAA/38AAAAAAAAJAAAABAAAAAAAAAAMAAAAEAAAAAAAAAAAAAAAAAAAAAAAAAAeAAAAaAAAAAAAAAAAAAAAAAAAAAAAAAAAAAAAECcAABAnAAAAAAAAAAAAAAAAAAAAAAAAAAAAAAAAAAAAAAAAAAAAABQAAAAAAAAAwMD/AAAAAABkAAAAMgAAAAAAAABkAAAAAAAAAH9/fwAKAAAAHwAAAFQAAAAAAAAFAAAAAQAAAAAAAAAAAAAAAAAAAAAAAAAAAAAAAAAAAAAAAAAAAAAAAn9/fwAAAAADzMzMAMDA/wB/f38AAAAAAAAAAAAAAAAAAAAAAAAAAAAhAAAAGAAAABQAAADQAgAAGycAAPAPAABZKQAAEAAAACYAAAAIAAAAAAAAAAAAAAA="/>
+                <pr:smNativeData xmlns:pr="smNativeData" val="SMDATA_13_Na6sYxMAAAAlAAAAZAAAAA8BAAAAkAAAAEgAAACQAAAASAAAAAAAAAABAAAAAAAAAAEAAABQAAAAAAAAAAAA4D8AAAAAAADgPwAAAAAAAOA/AAAAAAAA4D8AAAAAAADgPwAAAAAAAOA/AAAAAAAA4D8AAAAAAADgPwAAAAAAAOA/AAAAAAAA4D8CAAAAjAAAAAAAAAAAAAAAu+DjDP///wgAAAAAAAAAAAAAAAAAAAAAAAAAAAAAAAAAAAAAZAAAAAEAAABAAAAAAAAAAAAAAAAAAAAAAAAAAAAAAAAAAAAAAAAAAAAAAAAAAAAAAAAAAAAAAAAAAAAAAAAAAAAAAAAAAAAAAAAAAAAAAAAAAAAAAAAAAAAAAAAAAAAAFAAAADwAAAAAAAAAAAAAAAAAAAkUAAAAAQAAABQAAAAUAAAAFAAAAAEAAAAAAAAAZAAAAGQAAAAAAAAAZAAAAGQAAAAVAAAAYAAAAAAAAAAAAAAADwAAACADAAAAAAAAAAAAAAEAAACgMgAAVgcAAKr4//8BAAAAf39/AAEAAABkAAAAAAAAABQAAABAHwAAAAAAACYAAAAAAAAAwOD//wAAAAAmAAAAZAAAABYAAABMAAAAAAAAAAAAAAAEAAAAAAAAAAEAAACAgIAKAAAAACgAAAAoAAAAZAAAAGQAAAAAAAAAzMzMAAAAAABQAAAAUAAAAGQAAABkAAAAAAAAABcAAAAUAAAAAAAAAAAAAAD/fwAA/38AAAAAAAAJAAAABAAAAAAAAAAMAAAAEAAAAAAAAAAAAAAAAAAAAAAAAAAeAAAAaAAAAAAAAAAAAAAAAAAAAAAAAAAAAAAAECcAABAnAAAAAAAAAAAAAAAAAAAAAAAAAAAAAAAAAAAAAAAAAAAAABQAAAAAAAAAwMD/AAAAAABkAAAAMgAAAAAAAABkAAAAAAAAAH9/fwAKAAAAHwAAAFQAAAAAAAAFAAAAAQAAAAAAAAAAAAAAAAAAAAAAAAAAAAAAAAAAAAAAAAAAAAAAAn9/fwAAAAADzMzMAMDA/wB/f38AAAAAAAAAAAAAAAAAAAAAAAAAAAAhAAAAGAAAABQAAADQAgAAGycAAPAPAABZKQAAEAAAACYAAAAIAAAAAAAAAAAAAAA="/>
               </a:ext>
             </a:extLst>
           </p:cNvSpPr>
@@ -2680,7 +2680,7 @@
           <a:lstStyle/>
           <a:p>
             <a:pPr/>
-            <a:fld id="{1CA1BBBF-F1F1-F44D-BF19-0718F5574952}" type="datetime1">
+            <a:fld id="{1CB54AFB-B5F1-E0BC-BF0D-43E904434916}" type="datetime1">
               <a:t/>
             </a:fld>
           </a:p>
@@ -2693,7 +2693,7 @@
             <a:spLocks noGrp="1" noChangeArrowheads="1"/>
             <a:extLst>
               <a:ext uri="smNativeData">
-                <pr:smNativeData xmlns:pr="smNativeData" val="SMDATA_13_B6msYxMAAAAlAAAAZAAAAA8BAAAAkAAAAEgAAACQAAAASAAAAAAAAAABAAAAAAAAAAEAAABQAAAAAAAAAAAA4D8AAAAAAADgPwAAAAAAAOA/AAAAAAAA4D8AAAAAAADgPwAAAAAAAOA/AAAAAAAA4D8AAAAAAADgPwAAAAAAAOA/AAAAAAAA4D8CAAAAjAAAAAAAAAAAAAAAu+DjDP///wgAAAAAAAAAAAAAAAAAAAAAAAAAAAAAAAAAAAAAZAAAAAEAAABAAAAAAAAAAAAAAAAAAAAAAAAAAAAAAAAAAAAAAAAAAAAAAAAAAAAAAAAAAAAAAAAAAAAAAAAAAAAAAAAAAAAAAAAAAAAAAAAAAAAAAAAAAAAAAAAAAAAAFAAAADwAAAAAAAAAAAAAAAAAAAkUAAAAAQAAABQAAAAUAAAAFAAAAAEAAAAAAAAAZAAAAGQAAAAAAAAAZAAAAGQAAAAVAAAAYAAAAAAAAAAAAAAADwAAACADAAAAAAAAAAAAAAEAAACgMgAAVgcAAKr4//8BAAAAf39/AAEAAABkAAAAAAAAABQAAABAHwAAAAAAACYAAAAAAAAAwOD//wAAAAAmAAAAZAAAABYAAABMAAAAAAAAAAAAAAAEAAAAAAAAAAEAAACAgIAKAAAAACgAAAAoAAAAZAAAAGQAAAAAAAAAzMzMAAAAAABQAAAAUAAAAGQAAABkAAAAAAAAABcAAAAUAAAAAAAAAAAAAAD/fwAA/38AAAAAAAAJAAAABAAAAAAAAAAMAAAAEAAAAAAAAAAAAAAAAAAAAAAAAAAeAAAAaAAAAAAAAAAAAAAAAAAAAAAAAAAAAAAAECcAABAnAAAAAAAAAAAAAAAAAAAAAAAAAAAAAAAAAAAAAAAAAAAAABQAAAAAAAAAwMD/AAAAAABkAAAAMgAAAAAAAABkAAAAAAAAAH9/fwAKAAAAHwAAAFQAAAAAAAAFAAAAAQAAAAAAAAAAAAAAAAAAAAAAAAAAAAAAAAAAAAAAAAAAAAAAAn9/fwAAAAADzMzMAMDA/wB/f38AAAAAAAAAAAAAAAAAAAAAAAAAAAAhAAAAGAAAABQAAAA4EwAAGycAAAglAABZKQAAEAAAACYAAAAIAAAAAAAAAAAAAAA="/>
+                <pr:smNativeData xmlns:pr="smNativeData" val="SMDATA_13_Na6sYxMAAAAlAAAAZAAAAA8BAAAAkAAAAEgAAACQAAAASAAAAAAAAAABAAAAAAAAAAEAAABQAAAAAAAAAAAA4D8AAAAAAADgPwAAAAAAAOA/AAAAAAAA4D8AAAAAAADgPwAAAAAAAOA/AAAAAAAA4D8AAAAAAADgPwAAAAAAAOA/AAAAAAAA4D8CAAAAjAAAAAAAAAAAAAAAu+DjDP///wgAAAAAAAAAAAAAAAAAAAAAAAAAAAAAAAAAAAAAZAAAAAEAAABAAAAAAAAAAAAAAAAAAAAAAAAAAAAAAAAAAAAAAAAAAAAAAAAAAAAAAAAAAAAAAAAAAAAAAAAAAAAAAAAAAAAAAAAAAAAAAAAAAAAAAAAAAAAAAAAAAAAAFAAAADwAAAAAAAAAAAAAAAAAAAkUAAAAAQAAABQAAAAUAAAAFAAAAAEAAAAAAAAAZAAAAGQAAAAAAAAAZAAAAGQAAAAVAAAAYAAAAAAAAAAAAAAADwAAACADAAAAAAAAAAAAAAEAAACgMgAAVgcAAKr4//8BAAAAf39/AAEAAABkAAAAAAAAABQAAABAHwAAAAAAACYAAAAAAAAAwOD//wAAAAAmAAAAZAAAABYAAABMAAAAAAAAAAAAAAAEAAAAAAAAAAEAAACAgIAKAAAAACgAAAAoAAAAZAAAAGQAAAAAAAAAzMzMAAAAAABQAAAAUAAAAGQAAABkAAAAAAAAABcAAAAUAAAAAAAAAAAAAAD/fwAA/38AAAAAAAAJAAAABAAAAAAAAAAMAAAAEAAAAAAAAAAAAAAAAAAAAAAAAAAeAAAAaAAAAAAAAAAAAAAAAAAAAAAAAAAAAAAAECcAABAnAAAAAAAAAAAAAAAAAAAAAAAAAAAAAAAAAAAAAAAAAAAAABQAAAAAAAAAwMD/AAAAAABkAAAAMgAAAAAAAABkAAAAAAAAAH9/fwAKAAAAHwAAAFQAAAAAAAAFAAAAAQAAAAAAAAAAAAAAAAAAAAAAAAAAAAAAAAAAAAAAAAAAAAAAAn9/fwAAAAADzMzMAMDA/wB/f38AAAAAAAAAAAAAAAAAAAAAAAAAAAAhAAAAGAAAABQAAAA4EwAAGycAAAglAABZKQAAEAAAACYAAAAIAAAAAAAAAAAAAAA="/>
               </a:ext>
             </a:extLst>
           </p:cNvSpPr>
@@ -2717,7 +2717,7 @@
             <a:spLocks noGrp="1" noChangeArrowheads="1"/>
             <a:extLst>
               <a:ext uri="smNativeData">
-                <pr:smNativeData xmlns:pr="smNativeData" val="SMDATA_13_B6msYxMAAAAlAAAAZAAAAA8BAAAAkAAAAEgAAACQAAAASAAAAAAAAAABAAAAAAAAAAEAAABQAAAAAAAAAAAA4D8AAAAAAADgPwAAAAAAAOA/AAAAAAAA4D8AAAAAAADgPwAAAAAAAOA/AAAAAAAA4D8AAAAAAADgPwAAAAAAAOA/AAAAAAAA4D8CAAAAjAAAAAAAAAAAAAAAu+DjDP///wgAAAAAAAAAAAAAAAAAAAAAAAAAAAAAAAAAAAAAZAAAAAEAAABAAAAAAAAAAAAAAAAAAAAAAAAAAAAAAAAAAAAAAAAAAAAAAAAAAAAAAAAAAAAAAAAAAAAAAAAAAAAAAAAAAAAAAAAAAAAAAAAAAAAAAAAAAAAAAAAAAAAAFAAAADwAAAAAAAAAAAAAAAAAAAkUAAAAAQAAABQAAAAUAAAAFAAAAAEAAAAAAAAAZAAAAGQAAAAAAAAAZAAAAGQAAAAVAAAAYAAAAAAAAAAAAAAADwAAACADAAAAAAAAAAAAAAEAAACgMgAAVgcAAKr4//8BAAAAf39/AAEAAABkAAAAAAAAABQAAABAHwAAAAAAACYAAAAAAAAAwOD//wAAAAAmAAAAZAAAABYAAABMAAAAAAAAAAAAAAAEAAAAAAAAAAEAAACAgIAKAAAAACgAAAAoAAAAZAAAAGQAAAAAAAAAzMzMAAAAAABQAAAAUAAAAGQAAABkAAAAAAAAABcAAAAUAAAAAAAAAAAAAAD/fwAA/38AAAAAAAAJAAAABAAAAAAAAAAMAAAAEAAAAAAAAAAAAAAAAAAAAAAAAAAeAAAAaAAAAAAAAAAAAAAAAAAAAAAAAAAAAAAAECcAABAnAAAAAAAAAAAAAAAAAAAAAAAAAAAAAAAAAAAAAAAAAAAAABQAAAAAAAAAwMD/AAAAAABkAAAAMgAAAAAAAABkAAAAAAAAAH9/fwAKAAAAHwAAAFQAAAAAAAAFAAAAAQAAAAAAAAAAAAAAAAAAAAAAAAAAAAAAAAAAAAAAAAAAAAAAAn9/fwAAAAADzMzMAMDA/wB/f38AAAAAAAAAAAAAAAAAAAAAAAAAAAAhAAAAGAAAABQAAABQKAAAGycAAHA1AABZKQAAEAAAACYAAAAIAAAAAAAAAAAAAAA="/>
+                <pr:smNativeData xmlns:pr="smNativeData" val="SMDATA_13_Na6sYxMAAAAlAAAAZAAAAA8BAAAAkAAAAEgAAACQAAAASAAAAAAAAAABAAAAAAAAAAEAAABQAAAAAAAAAAAA4D8AAAAAAADgPwAAAAAAAOA/AAAAAAAA4D8AAAAAAADgPwAAAAAAAOA/AAAAAAAA4D8AAAAAAADgPwAAAAAAAOA/AAAAAAAA4D8CAAAAjAAAAAAAAAAAAAAAu+DjDP///wgAAAAAAAAAAAAAAAAAAAAAAAAAAAAAAAAAAAAAZAAAAAEAAABAAAAAAAAAAAAAAAAAAAAAAAAAAAAAAAAAAAAAAAAAAAAAAAAAAAAAAAAAAAAAAAAAAAAAAAAAAAAAAAAAAAAAAAAAAAAAAAAAAAAAAAAAAAAAAAAAAAAAFAAAADwAAAAAAAAAAAAAAAAAAAkUAAAAAQAAABQAAAAUAAAAFAAAAAEAAAAAAAAAZAAAAGQAAAAAAAAAZAAAAGQAAAAVAAAAYAAAAAAAAAAAAAAADwAAACADAAAAAAAAAAAAAAEAAACgMgAAVgcAAKr4//8BAAAAf39/AAEAAABkAAAAAAAAABQAAABAHwAAAAAAACYAAAAAAAAAwOD//wAAAAAmAAAAZAAAABYAAABMAAAAAAAAAAAAAAAEAAAAAAAAAAEAAACAgIAKAAAAACgAAAAoAAAAZAAAAGQAAAAAAAAAzMzMAAAAAABQAAAAUAAAAGQAAABkAAAAAAAAABcAAAAUAAAAAAAAAAAAAAD/fwAA/38AAAAAAAAJAAAABAAAAAAAAAAMAAAAEAAAAAAAAAAAAAAAAAAAAAAAAAAeAAAAaAAAAAAAAAAAAAAAAAAAAAAAAAAAAAAAECcAABAnAAAAAAAAAAAAAAAAAAAAAAAAAAAAAAAAAAAAAAAAAAAAABQAAAAAAAAAwMD/AAAAAABkAAAAMgAAAAAAAABkAAAAAAAAAH9/fwAKAAAAHwAAAFQAAAAAAAAFAAAAAQAAAAAAAAAAAAAAAAAAAAAAAAAAAAAAAAAAAAAAAAAAAAAAAn9/fwAAAAADzMzMAMDA/wB/f38AAAAAAAAAAAAAAAAAAAAAAAAAAAAhAAAAGAAAABQAAABQKAAAGycAAHA1AABZKQAAEAAAACYAAAAIAAAAAAAAAAAAAAA="/>
               </a:ext>
             </a:extLst>
           </p:cNvSpPr>
@@ -2731,7 +2731,7 @@
           <a:lstStyle/>
           <a:p>
             <a:pPr/>
-            <a:fld id="{1CA19B0F-41F1-F46D-BF19-B738D55749E2}" type="slidenum">
+            <a:fld id="{1CB53573-3DF1-E0C3-BF0D-CB967B43499E}" type="slidenum">
               <a:t/>
             </a:fld>
           </a:p>
@@ -2777,7 +2777,7 @@
             <a:spLocks noGrp="1" noChangeArrowheads="1"/>
             <a:extLst>
               <a:ext uri="smNativeData">
-                <pr:smNativeData xmlns:pr="smNativeData" val="SMDATA_13_B6msYxMAAAAlAAAAZAAAAA8BAAAAkAAAAEgAAACQAAAASAAAAAAAAAABAAAAAAAAAAEAAABQAAAAAAAAAAAA4D8AAAAAAADgPwAAAAAAAOA/AAAAAAAA4D8AAAAAAADgPwAAAAAAAOA/AAAAAAAA4D8AAAAAAADgPwAAAAAAAOA/AAAAAAAA4D8CAAAAjAAAAAAAAAAAAAAAu+DjDP///wgAAAAAAAAAAAAAAAAAAAAAAAAAAAAAAAAAAAAAZAAAAAEAAABAAAAAAAAAAAAAAAAAAAAAAAAAAAAAAAAAAAAAAAAAAAAAAAAAAAAAAAAAAAAAAAAAAAAAAAAAAAAAAAAAAAAAAAAAAAAAAAAAAAAAAAAAAAAAAAAAAAAAFAAAADwAAAAAAAAAAAAAAAAAAAkUAAAAAQAAABQAAAAUAAAAFAAAAAEAAAAAAAAAZAAAAGQAAAAAAAAAZAAAAGQAAAAVAAAAYAAAAAAAAAAAAAAADwAAACADAAAAAAAAAAAAAAEAAACgMgAAVgcAAKr4//8BAAAAf39/AAEAAABkAAAAAAAAABQAAABAHwAAAAAAACYAAAAAAAAAwOD//wAAAAAmAAAAZAAAABYAAABMAAAAAAAAAAAAAAAEAAAAAAAAAAEAAACAgIAKAAAAACgAAAAoAAAAZAAAAGQAAAAAAAAAzMzMAAAAAABQAAAAUAAAAGQAAABkAAAAAAAAABcAAAAUAAAAAAAAAAAAAAD/fwAA/38AAAAAAAAJAAAABAAAAAAAAAAMAAAAEAAAAAAAAAAAAAAAAAAAAAAAAAAeAAAAaAAAAAAAAAAAAAAAAAAAAAAAAAAAAAAAECcAABAnAAAAAAAAAAAAAAAAAAAAAAAAAAAAAAAAAAAAAAAAAAAAABQAAAAAAAAAwMD/AAAAAABkAAAAMgAAAAAAAABkAAAAAAAAAH9/fwAKAAAAHwAAAFQAAAAAAAAFAAAAAQAAAAAAAAAAAAAAAAAAAAAAAAAAAAAAAAAAAAAAAAAAAAAAAn9/fwAAAAADzMzMAMDA/wB/f38AAAAAAAAAAAAAAAAAAAAAAAAAAAAhAAAAGAAAABQAAADQAgAAsAEAAHA1AAC4CAAAEAAAACYAAAAIAAAA//////////8="/>
+                <pr:smNativeData xmlns:pr="smNativeData" val="SMDATA_13_Na6sYxMAAAAlAAAAZAAAAA8BAAAAkAAAAEgAAACQAAAASAAAAAAAAAABAAAAAAAAAAEAAABQAAAAAAAAAAAA4D8AAAAAAADgPwAAAAAAAOA/AAAAAAAA4D8AAAAAAADgPwAAAAAAAOA/AAAAAAAA4D8AAAAAAADgPwAAAAAAAOA/AAAAAAAA4D8CAAAAjAAAAAAAAAAAAAAAu+DjDP///wgAAAAAAAAAAAAAAAAAAAAAAAAAAAAAAAAAAAAAZAAAAAEAAABAAAAAAAAAAAAAAAAAAAAAAAAAAAAAAAAAAAAAAAAAAAAAAAAAAAAAAAAAAAAAAAAAAAAAAAAAAAAAAAAAAAAAAAAAAAAAAAAAAAAAAAAAAAAAAAAAAAAAFAAAADwAAAAAAAAAAAAAAAAAAAkUAAAAAQAAABQAAAAUAAAAFAAAAAEAAAAAAAAAZAAAAGQAAAAAAAAAZAAAAGQAAAAVAAAAYAAAAAAAAAAAAAAADwAAACADAAAAAAAAAAAAAAEAAACgMgAAVgcAAKr4//8BAAAAf39/AAEAAABkAAAAAAAAABQAAABAHwAAAAAAACYAAAAAAAAAwOD//wAAAAAmAAAAZAAAABYAAABMAAAAAAAAAAAAAAAEAAAAAAAAAAEAAACAgIAKAAAAACgAAAAoAAAAZAAAAGQAAAAAAAAAzMzMAAAAAABQAAAAUAAAAGQAAABkAAAAAAAAABcAAAAUAAAAAAAAAAAAAAD/fwAA/38AAAAAAAAJAAAABAAAAAAAAAAMAAAAEAAAAAAAAAAAAAAAAAAAAAAAAAAeAAAAaAAAAAAAAAAAAAAAAAAAAAAAAAAAAAAAECcAABAnAAAAAAAAAAAAAAAAAAAAAAAAAAAAAAAAAAAAAAAAAAAAABQAAAAAAAAAwMD/AAAAAABkAAAAMgAAAAAAAABkAAAAAAAAAH9/fwAKAAAAHwAAAFQAAAAAAAAFAAAAAQAAAAAAAAAAAAAAAAAAAAAAAAAAAAAAAAAAAAAAAAAAAAAAAn9/fwAAAAADzMzMAMDA/wB/f38AAAAAAAAAAAAAAAAAAAAAAAAAAAAhAAAAGAAAABQAAADQAgAAsAEAAHA1AAC4CAAAEAAAACYAAAAIAAAA//////////8="/>
               </a:ext>
             </a:extLst>
           </p:cNvSpPr>
@@ -2821,7 +2821,7 @@
             <a:spLocks noGrp="1" noChangeArrowheads="1"/>
             <a:extLst>
               <a:ext uri="smNativeData">
-                <pr:smNativeData xmlns:pr="smNativeData" val="SMDATA_13_B6msYxMAAAAlAAAAZAAAAA8BAAAAkAAAAEgAAACQAAAASAAAAAAAAAAAAAAAAAAAAAEAAABQAAAAAAAAAAAA4D8AAAAAAADgPwAAAAAAAOA/AAAAAAAA4D8AAAAAAADgPwAAAAAAAOA/AAAAAAAA4D8AAAAAAADgPwAAAAAAAOA/AAAAAAAA4D8CAAAAjAAAAAAAAAAAAAAAu+DjDP///wgAAAAAAAAAAAAAAAAAAAAAAAAAAAAAAAAAAAAAZAAAAAEAAABAAAAAAAAAAAAAAAAAAAAAAAAAAAAAAAAAAAAAAAAAAAAAAAAAAAAAAAAAAAAAAAAAAAAAAAAAAAAAAAAAAAAAAAAAAAAAAAAAAAAAAAAAAAAAAAAAAAAAFAAAADwAAAAAAAAAAAAAAAAAAAkUAAAAAQAAABQAAAAUAAAAFAAAAAEAAAAAAAAAZAAAAGQAAAAAAAAAZAAAAGQAAAAVAAAAYAAAAAAAAAAAAAAADwAAACADAAAAAAAAAAAAAAEAAACgMgAAVgcAAKr4//8BAAAAf39/AAEAAABkAAAAAAAAABQAAABAHwAAAAAAACYAAAAAAAAAwOD//wAAAAAmAAAAZAAAABYAAABMAAAAAAAAAAAAAAAEAAAAAAAAAAEAAACAgIAKAAAAACgAAAAoAAAAZAAAAGQAAAAAAAAAzMzMAAAAAABQAAAAUAAAAGQAAABkAAAAAAAAABcAAAAUAAAAAAAAAAAAAAD/fwAA/38AAAAAAAAJAAAABAAAAAAAAAAMAAAAEAAAAAAAAAAAAAAAAAAAAAAAAAAeAAAAaAAAAAAAAAAAAAAAAAAAAAAAAAAAAAAAECcAABAnAAAAAAAAAAAAAAAAAAAAAAAAAAAAAAAAAAAAAAAAAAAAABQAAAAAAAAAwMD/AAAAAABkAAAAMgAAAAAAAABkAAAAAAAAAH9/fwAKAAAAHwAAAFQAAAAAAAAFAAAAAQAAAAAAAAAAAAAAAAAAAAAAAAAAAAAAAAAAAAAAAAAAAAAAAn9/fwAAAAADzMzMAMDA/wB/f38AAAAAAAAAAAAAAAAAAAAAAAAAAAAhAAAAGAAAABQAAADQAgAA2AkAAHA1AACwJQAAEAAAACYAAAAIAAAA//////////8="/>
+                <pr:smNativeData xmlns:pr="smNativeData" val="SMDATA_13_Na6sYxMAAAAlAAAAZAAAAA8BAAAAkAAAAEgAAACQAAAASAAAAAAAAAAAAAAAAAAAAAEAAABQAAAAAAAAAAAA4D8AAAAAAADgPwAAAAAAAOA/AAAAAAAA4D8AAAAAAADgPwAAAAAAAOA/AAAAAAAA4D8AAAAAAADgPwAAAAAAAOA/AAAAAAAA4D8CAAAAjAAAAAAAAAAAAAAAu+DjDP///wgAAAAAAAAAAAAAAAAAAAAAAAAAAAAAAAAAAAAAZAAAAAEAAABAAAAAAAAAAAAAAAAAAAAAAAAAAAAAAAAAAAAAAAAAAAAAAAAAAAAAAAAAAAAAAAAAAAAAAAAAAAAAAAAAAAAAAAAAAAAAAAAAAAAAAAAAAAAAAAAAAAAAFAAAADwAAAAAAAAAAAAAAAAAAAkUAAAAAQAAABQAAAAUAAAAFAAAAAEAAAAAAAAAZAAAAGQAAAAAAAAAZAAAAGQAAAAVAAAAYAAAAAAAAAAAAAAADwAAACADAAAAAAAAAAAAAAEAAACgMgAAVgcAAKr4//8BAAAAf39/AAEAAABkAAAAAAAAABQAAABAHwAAAAAAACYAAAAAAAAAwOD//wAAAAAmAAAAZAAAABYAAABMAAAAAAAAAAAAAAAEAAAAAAAAAAEAAACAgIAKAAAAACgAAAAoAAAAZAAAAGQAAAAAAAAAzMzMAAAAAABQAAAAUAAAAGQAAABkAAAAAAAAABcAAAAUAAAAAAAAAAAAAAD/fwAA/38AAAAAAAAJAAAABAAAAAAAAAAMAAAAEAAAAAAAAAAAAAAAAAAAAAAAAAAeAAAAaAAAAAAAAAAAAAAAAAAAAAAAAAAAAAAAECcAABAnAAAAAAAAAAAAAAAAAAAAAAAAAAAAAAAAAAAAAAAAAAAAABQAAAAAAAAAwMD/AAAAAABkAAAAMgAAAAAAAABkAAAAAAAAAH9/fwAKAAAAHwAAAFQAAAAAAAAFAAAAAQAAAAAAAAAAAAAAAAAAAAAAAAAAAAAAAAAAAAAAAAAAAAAAAn9/fwAAAAADzMzMAMDA/wB/f38AAAAAAAAAAAAAAAAAAAAAAAAAAAAhAAAAGAAAABQAAADQAgAA2AkAAHA1AACwJQAAEAAAACYAAAAIAAAA//////////8="/>
               </a:ext>
             </a:extLst>
           </p:cNvSpPr>
@@ -2889,7 +2889,7 @@
             <a:spLocks noGrp="1" noChangeArrowheads="1"/>
             <a:extLst>
               <a:ext uri="smNativeData">
-                <pr:smNativeData xmlns:pr="smNativeData" val="SMDATA_13_B6msYxMAAAAlAAAAZAAAAA8BAAAAkAAAAEgAAACQAAAASAAAAAAAAAABAAAAAAAAAAEAAABQAAAAAAAAAAAA4D8AAAAAAADgPwAAAAAAAOA/AAAAAAAA4D8AAAAAAADgPwAAAAAAAOA/AAAAAAAA4D8AAAAAAADgPwAAAAAAAOA/AAAAAAAA4D8CAAAAjAAAAAAAAAAAAAAAu+DjDP///wgAAAAAAAAAAAAAAAAAAAAAAAAAAAAAAAAAAAAAZAAAAAEAAABAAAAAAAAAAAAAAAAAAAAAAAAAAAAAAAAAAAAAAAAAAAAAAAAAAAAAAAAAAAAAAAAAAAAAAAAAAAAAAAAAAAAAAAAAAAAAAAAAAAAAAAAAAAAAAAAAAAAAFAAAADwAAAAAAAAAAAAAAAAAAAkUAAAAAQAAABQAAAAUAAAAFAAAAAEAAAAAAAAAZAAAAGQAAAAAAAAAZAAAAGQAAAAVAAAAYAAAAAAAAAAAAAAADwAAACADAAAAAAAAAAAAAAEAAACgMgAAVgcAAKr4//8BAAAAf39/AAEAAABkAAAAAAAAABQAAABAHwAAAAAAACYAAAAAAAAAwOD//wAAAAAmAAAAZAAAABYAAABMAAAAAAAAAAAAAAAEAAAAAAAAAAEAAACAgIAKAAAAACgAAAAoAAAAZAAAAGQAAAAAAAAAzMzMAAAAAABQAAAAUAAAAGQAAABkAAAAAAAAABcAAAAUAAAAAAAAAAAAAAD/fwAA/38AAAAAAAAJAAAABAAAAAAAAAAMAAAAEAAAAAAAAAAAAAAAAAAAAAAAAAAeAAAAaAAAAAAAAAAAAAAAAAAAAAAAAAAAAAAAECcAABAnAAAAAAAAAAAAAAAAAAAAAAAAAAAAAAAAAAAAAAAAAAAAABQAAAAAAAAAwMD/AAAAAABkAAAAMgAAAAAAAABkAAAAAAAAAH9/fwAKAAAAHwAAAFQAAAAAAAAFAAAAAQAAAAAAAAAAAAAAAAAAAAAAAAAAAAAAAAAAAAAAAAAAAAAAAn9/fwAAAAADzMzMAMDA/wB/f38AAAAAAAAAAAAAAAAAAAAAAAAAAAAhAAAAGAAAABQAAADQAgAAGycAAPAPAABZKQAAEAAAACYAAAAIAAAA//////////8="/>
+                <pr:smNativeData xmlns:pr="smNativeData" val="SMDATA_13_Na6sYxMAAAAlAAAAZAAAAA8BAAAAkAAAAEgAAACQAAAASAAAAAAAAAABAAAAAAAAAAEAAABQAAAAAAAAAAAA4D8AAAAAAADgPwAAAAAAAOA/AAAAAAAA4D8AAAAAAADgPwAAAAAAAOA/AAAAAAAA4D8AAAAAAADgPwAAAAAAAOA/AAAAAAAA4D8CAAAAjAAAAAAAAAAAAAAAu+DjDP///wgAAAAAAAAAAAAAAAAAAAAAAAAAAAAAAAAAAAAAZAAAAAEAAABAAAAAAAAAAAAAAAAAAAAAAAAAAAAAAAAAAAAAAAAAAAAAAAAAAAAAAAAAAAAAAAAAAAAAAAAAAAAAAAAAAAAAAAAAAAAAAAAAAAAAAAAAAAAAAAAAAAAAFAAAADwAAAAAAAAAAAAAAAAAAAkUAAAAAQAAABQAAAAUAAAAFAAAAAEAAAAAAAAAZAAAAGQAAAAAAAAAZAAAAGQAAAAVAAAAYAAAAAAAAAAAAAAADwAAACADAAAAAAAAAAAAAAEAAACgMgAAVgcAAKr4//8BAAAAf39/AAEAAABkAAAAAAAAABQAAABAHwAAAAAAACYAAAAAAAAAwOD//wAAAAAmAAAAZAAAABYAAABMAAAAAAAAAAAAAAAEAAAAAAAAAAEAAACAgIAKAAAAACgAAAAoAAAAZAAAAGQAAAAAAAAAzMzMAAAAAABQAAAAUAAAAGQAAABkAAAAAAAAABcAAAAUAAAAAAAAAAAAAAD/fwAA/38AAAAAAAAJAAAABAAAAAAAAAAMAAAAEAAAAAAAAAAAAAAAAAAAAAAAAAAeAAAAaAAAAAAAAAAAAAAAAAAAAAAAAAAAAAAAECcAABAnAAAAAAAAAAAAAAAAAAAAAAAAAAAAAAAAAAAAAAAAAAAAABQAAAAAAAAAwMD/AAAAAABkAAAAMgAAAAAAAABkAAAAAAAAAH9/fwAKAAAAHwAAAFQAAAAAAAAFAAAAAQAAAAAAAAAAAAAAAAAAAAAAAAAAAAAAAAAAAAAAAAAAAAAAAn9/fwAAAAADzMzMAMDA/wB/f38AAAAAAAAAAAAAAAAAAAAAAAAAAAAhAAAAGAAAABQAAADQAgAAGycAAPAPAABZKQAAEAAAACYAAAAIAAAA//////////8="/>
               </a:ext>
             </a:extLst>
           </p:cNvSpPr>
@@ -2924,7 +2924,7 @@
           </a:lstStyle>
           <a:p>
             <a:pPr/>
-            <a:fld id="{1CA1FAE6-A8F1-F40C-BF19-5E59B457490B}" type="datetime1">
+            <a:fld id="{1CB57D74-3AF1-E08B-BF0D-CCDE33434999}" type="datetime1">
               <a:t/>
             </a:fld>
           </a:p>
@@ -2937,7 +2937,7 @@
             <a:spLocks noGrp="1" noChangeArrowheads="1"/>
             <a:extLst>
               <a:ext uri="smNativeData">
-                <pr:smNativeData xmlns:pr="smNativeData" val="SMDATA_13_B6msYxMAAAAlAAAAZAAAAA8BAAAAkAAAAEgAAACQAAAASAAAAAAAAAABAAAAAAAAAAEAAABQAAAAAAAAAAAA4D8AAAAAAADgPwAAAAAAAOA/AAAAAAAA4D8AAAAAAADgPwAAAAAAAOA/AAAAAAAA4D8AAAAAAADgPwAAAAAAAOA/AAAAAAAA4D8CAAAAjAAAAAAAAAAAAAAAu+DjDP///wgAAAAAAAAAAAAAAAAAAAAAAAAAAAAAAAAAAAAAZAAAAAEAAABAAAAAAAAAAAAAAAAAAAAAAAAAAAAAAAAAAAAAAAAAAAAAAAAAAAAAAAAAAAAAAAAAAAAAAAAAAAAAAAAAAAAAAAAAAAAAAAAAAAAAAAAAAAAAAAAAAAAAFAAAADwAAAAAAAAAAAAAAAAAAAkUAAAAAQAAABQAAAAUAAAAFAAAAAEAAAAAAAAAZAAAAGQAAAAAAAAAZAAAAGQAAAAVAAAAYAAAAAAAAAAAAAAADwAAACADAAAAAAAAAAAAAAEAAACgMgAAVgcAAKr4//8BAAAAf39/AAEAAABkAAAAAAAAABQAAABAHwAAAAAAACYAAAAAAAAAwOD//wAAAAAmAAAAZAAAABYAAABMAAAAAAAAAAAAAAAEAAAAAAAAAAEAAACAgIAKAAAAACgAAAAoAAAAZAAAAGQAAAAAAAAAzMzMAAAAAABQAAAAUAAAAGQAAABkAAAAAAAAABcAAAAUAAAAAAAAAAAAAAD/fwAA/38AAAAAAAAJAAAABAAAAAAAAAAMAAAAEAAAAAAAAAAAAAAAAAAAAAAAAAAeAAAAaAAAAAAAAAAAAAAAAAAAAAAAAAAAAAAAECcAABAnAAAAAAAAAAAAAAAAAAAAAAAAAAAAAAAAAAAAAAAAAAAAABQAAAAAAAAAwMD/AAAAAABkAAAAMgAAAAAAAABkAAAAAAAAAH9/fwAKAAAAHwAAAFQAAAAAAAAFAAAAAQAAAAAAAAAAAAAAAAAAAAAAAAAAAAAAAAAAAAAAAAAAAAAAAn9/fwAAAAADzMzMAMDA/wB/f38AAAAAAAAAAAAAAAAAAAAAAAAAAAAhAAAAGAAAABQAAAA4EwAAGycAAAglAABZKQAAEAAAACYAAAAIAAAA//////////8="/>
+                <pr:smNativeData xmlns:pr="smNativeData" val="SMDATA_13_Na6sYxMAAAAlAAAAZAAAAA8BAAAAkAAAAEgAAACQAAAASAAAAAAAAAABAAAAAAAAAAEAAABQAAAAAAAAAAAA4D8AAAAAAADgPwAAAAAAAOA/AAAAAAAA4D8AAAAAAADgPwAAAAAAAOA/AAAAAAAA4D8AAAAAAADgPwAAAAAAAOA/AAAAAAAA4D8CAAAAjAAAAAAAAAAAAAAAu+DjDP///wgAAAAAAAAAAAAAAAAAAAAAAAAAAAAAAAAAAAAAZAAAAAEAAABAAAAAAAAAAAAAAAAAAAAAAAAAAAAAAAAAAAAAAAAAAAAAAAAAAAAAAAAAAAAAAAAAAAAAAAAAAAAAAAAAAAAAAAAAAAAAAAAAAAAAAAAAAAAAAAAAAAAAFAAAADwAAAAAAAAAAAAAAAAAAAkUAAAAAQAAABQAAAAUAAAAFAAAAAEAAAAAAAAAZAAAAGQAAAAAAAAAZAAAAGQAAAAVAAAAYAAAAAAAAAAAAAAADwAAACADAAAAAAAAAAAAAAEAAACgMgAAVgcAAKr4//8BAAAAf39/AAEAAABkAAAAAAAAABQAAABAHwAAAAAAACYAAAAAAAAAwOD//wAAAAAmAAAAZAAAABYAAABMAAAAAAAAAAAAAAAEAAAAAAAAAAEAAACAgIAKAAAAACgAAAAoAAAAZAAAAGQAAAAAAAAAzMzMAAAAAABQAAAAUAAAAGQAAABkAAAAAAAAABcAAAAUAAAAAAAAAAAAAAD/fwAA/38AAAAAAAAJAAAABAAAAAAAAAAMAAAAEAAAAAAAAAAAAAAAAAAAAAAAAAAeAAAAaAAAAAAAAAAAAAAAAAAAAAAAAAAAAAAAECcAABAnAAAAAAAAAAAAAAAAAAAAAAAAAAAAAAAAAAAAAAAAAAAAABQAAAAAAAAAwMD/AAAAAABkAAAAMgAAAAAAAABkAAAAAAAAAH9/fwAKAAAAHwAAAFQAAAAAAAAFAAAAAQAAAAAAAAAAAAAAAAAAAAAAAAAAAAAAAAAAAAAAAAAAAAAAAn9/fwAAAAADzMzMAMDA/wB/f38AAAAAAAAAAAAAAAAAAAAAAAAAAAAhAAAAGAAAABQAAAA4EwAAGycAAAglAABZKQAAEAAAACYAAAAIAAAA//////////8="/>
               </a:ext>
             </a:extLst>
           </p:cNvSpPr>
@@ -2982,7 +2982,7 @@
             <a:spLocks noGrp="1" noChangeArrowheads="1"/>
             <a:extLst>
               <a:ext uri="smNativeData">
-                <pr:smNativeData xmlns:pr="smNativeData" val="SMDATA_13_B6msYxMAAAAlAAAAZAAAAA8BAAAAkAAAAEgAAACQAAAASAAAAAAAAAABAAAAAAAAAAEAAABQAAAAAAAAAAAA4D8AAAAAAADgPwAAAAAAAOA/AAAAAAAA4D8AAAAAAADgPwAAAAAAAOA/AAAAAAAA4D8AAAAAAADgPwAAAAAAAOA/AAAAAAAA4D8CAAAAjAAAAAAAAAAAAAAAu+DjDP///wgAAAAAAAAAAAAAAAAAAAAAAAAAAAAAAAAAAAAAZAAAAAEAAABAAAAAAAAAAAAAAAAAAAAAAAAAAAAAAAAAAAAAAAAAAAAAAAAAAAAAAAAAAAAAAAAAAAAAAAAAAAAAAAAAAAAAAAAAAAAAAAAAAAAAAAAAAAAAAAAAAAAAFAAAADwAAAAAAAAAAAAAAAAAAAkUAAAAAQAAABQAAAAUAAAAFAAAAAEAAAAAAAAAZAAAAGQAAAAAAAAAZAAAAGQAAAAVAAAAYAAAAAAAAAAAAAAADwAAACADAAAAAAAAAAAAAAEAAACgMgAAVgcAAKr4//8BAAAAf39/AAEAAABkAAAAAAAAABQAAABAHwAAAAAAACYAAAAAAAAAwOD//wAAAAAmAAAAZAAAABYAAABMAAAAAAAAAAAAAAAEAAAAAAAAAAEAAACAgIAKAAAAACgAAAAoAAAAZAAAAGQAAAAAAAAAzMzMAAAAAABQAAAAUAAAAGQAAABkAAAAAAAAABcAAAAUAAAAAAAAAAAAAAD/fwAA/38AAAAAAAAJAAAABAAAAAAAAAAMAAAAEAAAAAAAAAAAAAAAAAAAAAAAAAAeAAAAaAAAAAAAAAAAAAAAAAAAAAAAAAAAAAAAECcAABAnAAAAAAAAAAAAAAAAAAAAAAAAAAAAAAAAAAAAAAAAAAAAABQAAAAAAAAAwMD/AAAAAABkAAAAMgAAAAAAAABkAAAAAAAAAH9/fwAKAAAAHwAAAFQAAAAAAAAFAAAAAQAAAAAAAAAAAAAAAAAAAAAAAAAAAAAAAAAAAAAAAAAAAAAAAn9/fwAAAAADzMzMAMDA/wB/f38AAAAAAAAAAAAAAAAAAAAAAAAAAAAhAAAAGAAAABQAAABQKAAAGycAAHA1AABZKQAAEAAAACYAAAAIAAAA//////////8="/>
+                <pr:smNativeData xmlns:pr="smNativeData" val="SMDATA_13_Na6sYxMAAAAlAAAAZAAAAA8BAAAAkAAAAEgAAACQAAAASAAAAAAAAAABAAAAAAAAAAEAAABQAAAAAAAAAAAA4D8AAAAAAADgPwAAAAAAAOA/AAAAAAAA4D8AAAAAAADgPwAAAAAAAOA/AAAAAAAA4D8AAAAAAADgPwAAAAAAAOA/AAAAAAAA4D8CAAAAjAAAAAAAAAAAAAAAu+DjDP///wgAAAAAAAAAAAAAAAAAAAAAAAAAAAAAAAAAAAAAZAAAAAEAAABAAAAAAAAAAAAAAAAAAAAAAAAAAAAAAAAAAAAAAAAAAAAAAAAAAAAAAAAAAAAAAAAAAAAAAAAAAAAAAAAAAAAAAAAAAAAAAAAAAAAAAAAAAAAAAAAAAAAAFAAAADwAAAAAAAAAAAAAAAAAAAkUAAAAAQAAABQAAAAUAAAAFAAAAAEAAAAAAAAAZAAAAGQAAAAAAAAAZAAAAGQAAAAVAAAAYAAAAAAAAAAAAAAADwAAACADAAAAAAAAAAAAAAEAAACgMgAAVgcAAKr4//8BAAAAf39/AAEAAABkAAAAAAAAABQAAABAHwAAAAAAACYAAAAAAAAAwOD//wAAAAAmAAAAZAAAABYAAABMAAAAAAAAAAAAAAAEAAAAAAAAAAEAAACAgIAKAAAAACgAAAAoAAAAZAAAAGQAAAAAAAAAzMzMAAAAAABQAAAAUAAAAGQAAABkAAAAAAAAABcAAAAUAAAAAAAAAAAAAAD/fwAA/38AAAAAAAAJAAAABAAAAAAAAAAMAAAAEAAAAAAAAAAAAAAAAAAAAAAAAAAeAAAAaAAAAAAAAAAAAAAAAAAAAAAAAAAAAAAAECcAABAnAAAAAAAAAAAAAAAAAAAAAAAAAAAAAAAAAAAAAAAAAAAAABQAAAAAAAAAwMD/AAAAAABkAAAAMgAAAAAAAABkAAAAAAAAAH9/fwAKAAAAHwAAAFQAAAAAAAAFAAAAAQAAAAAAAAAAAAAAAAAAAAAAAAAAAAAAAAAAAAAAAAAAAAAAAn9/fwAAAAADzMzMAMDA/wB/f38AAAAAAAAAAAAAAAAAAAAAAAAAAAAhAAAAGAAAABQAAABQKAAAGycAAHA1AABZKQAAEAAAACYAAAAIAAAA//////////8="/>
               </a:ext>
             </a:extLst>
           </p:cNvSpPr>
@@ -3017,7 +3017,7 @@
           </a:lstStyle>
           <a:p>
             <a:pPr/>
-            <a:fld id="{1CA18BCC-82F1-F47D-BF19-7428C5574921}" type="slidenum">
+            <a:fld id="{1CB516AF-E1F1-E0E0-BF0D-17B558434942}" type="slidenum">
               <a:t/>
             </a:fld>
           </a:p>
@@ -3695,7 +3695,7 @@
           <p:cNvSpPr>
             <a:extLst>
               <a:ext uri="smNativeData">
-                <pr:smNativeData xmlns:pr="smNativeData" val="SMDATA_13_B6msYxMAAAAlAAAAZAAAAA8BAAAAkAAAAEgAAACQAAAASAAAAAAAAAAAAAAAAAAAAAEAAABQAAAAAAAAAAAA4D8AAAAAAADgPwAAAAAAAOA/AAAAAAAA4D8AAAAAAADgPwAAAAAAAOA/AAAAAAAA4D8AAAAAAADgPwAAAAAAAOA/AAAAAAAA4D8CAAAAjAAAAAEAAAAAAAAAAAAACf///wgAAAAAAAAAAAAAAAAAAAAAAAAAAAAAAAAAAAAAZAAAAAEAAABAAAAAAAAAAAAAAAAAAAAAAAAAAAAAAAAAAAAAAAAAAAAAAAAAAAAAAAAAAAAAAAAAAAAAAAAAAAAAAAAAAAAAAAAAAAAAAAAAAAAAAAAAAAAAAAAAAAAAFAAAADwAAAABAAAAAAAAAAAAAAkUAAAAAQAAABQAAAAUAAAAFAAAAAEAAAAAAAAAZAAAAGQAAAAAAAAAZAAAAGQAAAAVAAAAYAAAAAAAAAAAAAAADwAAACADAAAAAAAAAAAAAAEAAACgMgAAVgcAAKr4//8BAAAAf39/AAEAAABkAAAAAAAAABQAAABAHwAAAAAAACYAAAAAAAAAwOD//wAAAAAmAAAAZAAAABYAAABMAAAAAAAAAAAAAAAEAAAAAAAAAAEAAACAgIAKAAAAACgAAAAoAAAAZAAAAGQAAAAAAAAAzMzMAAAAAABQAAAAUAAAAGQAAABkAAAAAAAAABcAAAAUAAAAAAAAAAAAAAD/fwAA/38AAAAAAAAJAAAABAAAAAAAAAAMAAAAEAAAAAAAAAAAAAAAAAAAAAAAAAAeAAAAaAAAAAAAAAAAAAAAAAAAAAAAAAAAAAAAECcAABAnAAAAAAAAAAAAAAAAAAAAAAAAAAAAAAAAAAAAAAAAAAAAABQAAAAAAAAAwMD/AAAAAABkAAAAMgAAAAAAAABkAAAAAAAAAH9/fwAKAAAAHwAAAFQAAAAAAAAC////AQAAAAAAAAAAAAAAAAAAAAAAAAAAAAAAAAAAAAAAAAAAAAAAAn9/fwCAgIADzMzMAMDA/wB/f38AAAAAAAAAAAAAAAAAAAAAAAAAAAAhAAAAGAAAABQAAABTAQAA4wAAANEqAADlDwAAEAAAACYAAAAIAAAA//////////8="/>
+                <pr:smNativeData xmlns:pr="smNativeData" val="SMDATA_13_Na6sYxMAAAAlAAAAZAAAAA8BAAAAkAAAAEgAAACQAAAASAAAAAAAAAAAAAAAAAAAAAEAAABQAAAAAAAAAAAA4D8AAAAAAADgPwAAAAAAAOA/AAAAAAAA4D8AAAAAAADgPwAAAAAAAOA/AAAAAAAA4D8AAAAAAADgPwAAAAAAAOA/AAAAAAAA4D8CAAAAjAAAAAEAAAAAAAAAAAAACf///wgAAAAAAAAAAAAAAAAAAAAAAAAAAAAAAAAAAAAAZAAAAAEAAABAAAAAAAAAAAAAAAAAAAAAAAAAAAAAAAAAAAAAAAAAAAAAAAAAAAAAAAAAAAAAAAAAAAAAAAAAAAAAAAAAAAAAAAAAAAAAAAAAAAAAAAAAAAAAAAAAAAAAFAAAADwAAAABAAAAAAAAAAAAAAkUAAAAAQAAABQAAAAUAAAAFAAAAAEAAAAAAAAAZAAAAGQAAAAAAAAAZAAAAGQAAAAVAAAAYAAAAAAAAAAAAAAADwAAACADAAAAAAAAAAAAAAEAAACgMgAAVgcAAKr4//8BAAAAf39/AAEAAABkAAAAAAAAABQAAABAHwAAAAAAACYAAAAAAAAAwOD//wAAAAAmAAAAZAAAABYAAABMAAAAAAAAAAAAAAAEAAAAAAAAAAEAAACAgIAKAAAAACgAAAAoAAAAZAAAAGQAAAAAAAAAzMzMAAAAAABQAAAAUAAAAGQAAABkAAAAAAAAABcAAAAUAAAAAAAAAAAAAAD/fwAA/38AAAAAAAAJAAAABAAAAAAAAAAMAAAAEAAAAAAAAAAAAAAAAAAAAAAAAAAeAAAAaAAAAAAAAAAAAAAAAAAAAAAAAAAAAAAAECcAABAnAAAAAAAAAAAAAAAAAAAAAAAAAAAAAAAAAAAAAAAAAAAAABQAAAAAAAAAwMD/AAAAAABkAAAAMgAAAAAAAABkAAAAAAAAAH9/fwAKAAAAHwAAAFQAAAAAAAAC////AQAAAAAAAAAAAAAAAAAAAAAAAAAAAAAAAAAAAAAAAAAAAAAAAn9/fwCAgIADzMzMAMDA/wB/f38AAAAAAAAAAAAAAAAAAAAAAAAAAAAhAAAAGAAAABQAAABTAQAA4wAAANEqAADlDwAAEAAAACYAAAAIAAAA//////////8="/>
               </a:ext>
             </a:extLst>
           </p:cNvSpPr>
@@ -3730,7 +3730,7 @@
             <a:picLocks noChangeAspect="1"/>
             <a:extLst>
               <a:ext uri="smNativeData">
-                <pr:smNativeData xmlns:pr="smNativeData" val="SMDATA_15_B6msYxMAAAAlAAAAEQAAAC8BAAAAkAAAAEgAAACQAAAASAAAAAAAAAAAAAAAAAAAAAEAAABQAAAAAAAAAAAA4D8AAAAAAADgPwAAAAAAAOA/AAAAAAAA4D8AAAAAAADgPwAAAAAAAOA/AAAAAAAA4D8AAAAAAADgPwAAAAAAAOA/AAAAAAAA4D8CAAAAjAAAAAAAAAAAAAAAu+DjDP///wgAAAAAAAAAAAAAAAAAAAAAAAAAAAAAAAAAAAAAZAAAAAEAAABAAAAAAAAAAAAAAAAAAAAAAAAAAAAAAAAAAAAAAAAAAAAAAAAAAAAAAAAAAAAAAAAAAAAAAAAAAAAAAAAAAAAAAAAAAAAAAAAAAAAAAAAAAAAAAAAAAAAAFAAAADwAAAAAAAAAAAAAAAAAAAkUAAAAAQAAABQAAAAUAAAAFAAAAAEAAAAAAAAAZAAAAGQAAAAAAAAAZAAAAGQAAAAVAAAAYAAAAAAAAAAAAAAADwAAACADAAAAAAAAAAAAAAEAAACgMgAAVgcAAKr4//8BAAAAf39/AAEAAABkAAAAAAAAABQAAABAHwAAAAAAACYAAAAAAAAAwOD//wAAAAAmAAAAZAAAABYAAABMAAAAAAAAAAAAAAAEAAAAAAAAAAEAAACAgIAKAAAAACgAAAAoAAAAZAAAAGQAAAAAAAAAzMzMAAAAAABQAAAAUAAAAGQAAABkAAAAAAAAAAcAAAA4AAAAAAAAAAAAAAAAAAAA////AAAAAAAAAAAAAAAAAAAAAAAAAAAAAAAAAAAAAABkAAAAZAAAAAAAAAAjAAAABAAAAGQAAAAXAAAAFAAAAAAAAAAAAAAA/38AAP9/AAAAAAAACQAAAAQAAAAAAAAADAAAABAAAAAAAAAAAAAAAAAAAAAAAAAAHgAAAGgAAAAAAAAAAAAAAAAAAAAAAAAAAAAAABAnAAAQJwAAAAAAAAAAAAAAAAAAAAAAAAAAAAAAAAAAAAAAAAAAAAAUAAAAAAAAAMDA/wAAAAAAZAAAADIAAAAAAAAAZAAAAAAAAAB/f38ACgAAAB8AAABUAAAAu+DjBf///wEAAAAAAAAAAAAAAAAAAAAAAAAAAAAAAAAAAAAAAAAAAAAAAAJ/f38AgICAA8zMzADAwP8Af39/AAAAAAAAAAAAAAAAAP///wAAAAAAIQAAABgAAAAUAAAA3gsAAFUBAAAsIAAA5w4AABAAAAAmAAAACAAAAP//////////"/>
+                <pr:smNativeData xmlns:pr="smNativeData" val="SMDATA_15_Na6sYxMAAAAlAAAAEQAAAC8BAAAAkAAAAEgAAACQAAAASAAAAAAAAAAAAAAAAAAAAAEAAABQAAAAAAAAAAAA4D8AAAAAAADgPwAAAAAAAOA/AAAAAAAA4D8AAAAAAADgPwAAAAAAAOA/AAAAAAAA4D8AAAAAAADgPwAAAAAAAOA/AAAAAAAA4D8CAAAAjAAAAAAAAAAAAAAAu+DjDP///wgAAAAAAAAAAAAAAAAAAAAAAAAAAAAAAAAAAAAAZAAAAAEAAABAAAAAAAAAAAAAAAAAAAAAAAAAAAAAAAAAAAAAAAAAAAAAAAAAAAAAAAAAAAAAAAAAAAAAAAAAAAAAAAAAAAAAAAAAAAAAAAAAAAAAAAAAAAAAAAAAAAAAFAAAADwAAAAAAAAAAAAAAAAAAAkUAAAAAQAAABQAAAAUAAAAFAAAAAEAAAAAAAAAZAAAAGQAAAAAAAAAZAAAAGQAAAAVAAAAYAAAAAAAAAAAAAAADwAAACADAAAAAAAAAAAAAAEAAACgMgAAVgcAAKr4//8BAAAAf39/AAEAAABkAAAAAAAAABQAAABAHwAAAAAAACYAAAAAAAAAwOD//wAAAAAmAAAAZAAAABYAAABMAAAAAAAAAAAAAAAEAAAAAAAAAAEAAACAgIAKAAAAACgAAAAoAAAAZAAAAGQAAAAAAAAAzMzMAAAAAABQAAAAUAAAAGQAAABkAAAAAAAAAAcAAAA4AAAAAAAAAAAAAAAAAAAA////AAAAAAAAAAAAAAAAAAAAAAAAAAAAAAAAAAAAAABkAAAAZAAAAAAAAAAjAAAABAAAAGQAAAAXAAAAFAAAAAAAAAAAAAAA/38AAP9/AAAAAAAACQAAAAQAAAAAAAAADAAAABAAAAAAAAAAAAAAAAAAAAAAAAAAHgAAAGgAAAAAAAAAAAAAAAAAAAAAAAAAAAAAABAnAAAQJwAAAAAAAAAAAAAAAAAAAAAAAAAAAAAAAAAAAAAAAAAAAAAUAAAAAAAAAMDA/wAAAAAAZAAAADIAAAAAAAAAZAAAAAAAAAB/f38ACgAAAB8AAABUAAAAu+DjBf///wEAAAAAAAAAAAAAAAAAAAAAAAAAAAAAAAAAAAAAAAAAAAAAAAJ/f38AgICAA8zMzADAwP8Af39/AAAAAAAAAAAAAAAAAP///wAAAAAAIQAAABgAAAAUAAAA3gsAAFUBAAAsIAAA5w4AABAAAAAmAAAACAAAAP//////////"/>
               </a:ext>
             </a:extLst>
           </p:cNvPicPr>
@@ -3764,7 +3764,7 @@
             <a:picLocks noChangeAspect="1"/>
             <a:extLst>
               <a:ext uri="smNativeData">
-                <pr:smNativeData xmlns:pr="smNativeData" val="SMDATA_15_B6msYxMAAAAlAAAAEQAAAC8BAAAAkAAAAEgAAACQAAAASAAAAAAAAAAAAAAAAAAAAAEAAABQAAAAAAAAAAAA4D8AAAAAAADgPwAAAAAAAOA/AAAAAAAA4D8AAAAAAADgPwAAAAAAAOA/AAAAAAAA4D8AAAAAAADgPwAAAAAAAOA/AAAAAAAA4D8CAAAAjAAAAAAAAAAAAAAAu+DjDP///wgAAAAAAAAAAAAAAAAAAAAAAAAAAAAAAAAAAAAAZAAAAAEAAABAAAAAAAAAAAAAAAAAAAAAAAAAAAAAAAAAAAAAAAAAAAAAAAAAAAAAAAAAAAAAAAAAAAAAAAAAAAAAAAAAAAAAAAAAAAAAAAAAAAAAAAAAAAAAAAAAAAAAFAAAADwAAAABAAAAAAAAAAAAAAsUAAAAAQAAABQAAAAUAAAAFAAAAAEAAAAAAAAAZAAAAGQAAAAAAAAAZAAAAGQAAAAVAAAAYAAAAAAAAAAAAAAADwAAACADAAAAAAAAAAAAAAEAAACgMgAAAAAAAAAAAAABAAAAf39/AAEAAABkAAAAAAAAABQAAABAHwAAAAAAACYAAAAAAAAAwOD//wAAAAAmAAAAZAAAABYAAABMAAAAAAAAAAAAAAAEAAAAAAAAAAEAAACAgIAKAAAAACgAAAAoAAAAZAAAAGQAAAAAAAAAzMzMAAAAAABQAAAAUAAAAGQAAABkAAAAAAAAAAcAAAA4AAAAAAAAAAAAAAAAAAAA////AAAAAAAAAAAAAAAAAAAAAAAAAAAAAAAAAAAAAABkAAAAZAAAAAAAAAAjAAAABAAAAGQAAAAXAAAAFAAAAAAAAAAAAAAA/38AAP9/AAAAAAAACQAAAAQAAAAAAAAADAAAABAAAAAAAAAAAAAAAAAAAAAAAAAAHgAAAGgAAAAAAAAAAAAAAAAAAAAAAAAAAAAAABAnAAAQJwAAAAAAAAAAAAAAAAAAAAAAAAAAAAAAAAAAAAAAAAAAAAAUAAAAAAAAAMDA/wAAAAAAZAAAADIAAAAAAAAAZAAAAAAAAAB/f38ACgAAAB8AAABUAAAAu+DjBf///wEAAAAAAAAAAAAAAAAAAAAAAAAAAAAAAAAAAAAAAAAAAAAAAAR/f38AgICAA8zMzADAwP8Af39/AAAAAAAAAAAAAAAAAP///wAAAAAAIQAAABgAAAAUAAAAbQEAADkBAAB6CwAANA8AABAAAAAmAAAACAAAAP//////////"/>
+                <pr:smNativeData xmlns:pr="smNativeData" val="SMDATA_15_Na6sYxMAAAAlAAAAEQAAAC8BAAAAkAAAAEgAAACQAAAASAAAAAAAAAAAAAAAAAAAAAEAAABQAAAAAAAAAAAA4D8AAAAAAADgPwAAAAAAAOA/AAAAAAAA4D8AAAAAAADgPwAAAAAAAOA/AAAAAAAA4D8AAAAAAADgPwAAAAAAAOA/AAAAAAAA4D8CAAAAjAAAAAAAAAAAAAAAu+DjDP///wgAAAAAAAAAAAAAAAAAAAAAAAAAAAAAAAAAAAAAZAAAAAEAAABAAAAAAAAAAAAAAAAAAAAAAAAAAAAAAAAAAAAAAAAAAAAAAAAAAAAAAAAAAAAAAAAAAAAAAAAAAAAAAAAAAAAAAAAAAAAAAAAAAAAAAAAAAAAAAAAAAAAAFAAAADwAAAABAAAAAAAAAAAAAAsUAAAAAQAAABQAAAAUAAAAFAAAAAEAAAAAAAAAZAAAAGQAAAAAAAAAZAAAAGQAAAAVAAAAYAAAAAAAAAAAAAAADwAAACADAAAAAAAAAAAAAAEAAACgMgAAAAAAAAAAAAABAAAAf39/AAEAAABkAAAAAAAAABQAAABAHwAAAAAAACYAAAAAAAAAwOD//wAAAAAmAAAAZAAAABYAAABMAAAAAAAAAAAAAAAEAAAAAAAAAAEAAACAgIAKAAAAACgAAAAoAAAAZAAAAGQAAAAAAAAAzMzMAAAAAABQAAAAUAAAAGQAAABkAAAAAAAAAAcAAAA4AAAAAAAAAAAAAAAAAAAA////AAAAAAAAAAAAAAAAAAAAAAAAAAAAAAAAAAAAAABkAAAAZAAAAAAAAAAjAAAABAAAAGQAAAAXAAAAFAAAAAAAAAAAAAAA/38AAP9/AAAAAAAACQAAAAQAAAAAAAAADAAAABAAAAAAAAAAAAAAAAAAAAAAAAAAHgAAAGgAAAAAAAAAAAAAAAAAAAAAAAAAAAAAABAnAAAQJwAAAAAAAAAAAAAAAAAAAAAAAAAAAAAAAAAAAAAAAAAAAAAUAAAAAAAAAMDA/wAAAAAAZAAAADIAAAAAAAAAZAAAAAAAAAB/f38ACgAAAB8AAABUAAAAu+DjBf///wEAAAAAAAAAAAAAAAAAAAAAAAAAAAAAAAAAAAAAAAAAAAAAAAR/f38AgICAA8zMzADAwP8Af39/AAAAAAAAAAAAAAAAAP///wAAAAAAIQAAABgAAAAUAAAAbQEAADkBAAB6CwAANA8AABAAAAAmAAAACAAAAP//////////"/>
               </a:ext>
             </a:extLst>
           </p:cNvPicPr>
@@ -3803,7 +3803,7 @@
             <a:picLocks noChangeAspect="1"/>
             <a:extLst>
               <a:ext uri="smNativeData">
-                <pr:smNativeData xmlns:pr="smNativeData" val="SMDATA_15_B6msYxMAAAAlAAAAEQAAAC8BAAAAkAAAAEgAAACQAAAASAAAAAAAAAAAAAAAAAAAAAEAAABQAAAAAAAAAAAA4D8AAAAAAADgPwAAAAAAAOA/AAAAAAAA4D8AAAAAAADgPwAAAAAAAOA/AAAAAAAA4D8AAAAAAADgPwAAAAAAAOA/AAAAAAAA4D8CAAAAjAAAAAAAAAAAAAAAu+DjDP///wgAAAAAAAAAAAAAAAAAAAAAAAAAAAAAAAAAAAAAZAAAAAEAAABAAAAAAAAAAAAAAAAAAAAAAAAAAAAAAAAAAAAAAAAAAAAAAAAAAAAAAAAAAAAAAAAAAAAAAAAAAAAAAAAAAAAAAAAAAAAAAAAAAAAAAAAAAAAAAAAAAAAAFAAAADwAAAAAAAAAAAAAAAAAAAkUAAAAAQAAABQAAAAUAAAAFAAAAAEAAAAAAAAAZAAAAGQAAAAAAAAAZAAAAGQAAAAVAAAAYAAAAAAAAAAAAAAADwAAACADAAAAAAAAAAAAAAEAAACgMgAAVgcAAKr4//8BAAAAf39/AAEAAABkAAAAAAAAABQAAABAHwAAAAAAACYAAAAAAAAAwOD//wAAAAAmAAAAZAAAABYAAABMAAAAAAAAAAAAAAAEAAAAAAAAAAEAAACAgIAKAAAAACgAAAAoAAAAZAAAAGQAAAAAAAAAzMzMAAAAAABQAAAAUAAAAGQAAABkAAAAAAAAAAcAAAA4AAAAAAAAAAAAAAAAAAAA////AAAAAAAAAAAAAAAAAAAAAAAAAAAAAAAAAAAAAABkAAAAZAAAAAAAAAAjAAAABAAAAGQAAAAXAAAAFAAAAAAAAAAAAAAA/38AAP9/AAAAAAAACQAAAAQAAACcxxIMDAAAABAAAAAAAAAAAAAAAAAAAAAAAAAAHgAAAGgAAAAAAAAAAAAAAAAAAAAAAAAAAAAAABAnAAAQJwAAAAAAAAAAAAAAAAAAAAAAAAAAAAAAAAAAAAAAAAAAAAAUAAAAAAAAAMDA/wAAAAAAZAAAADIAAAAAAAAAZAAAAAAAAAB/f38ACgAAAB8AAABUAAAAu+DjBf///wEAAAAAAAAAAAAAAAAAAAAAAAAAAAAAAAAAAAAAAAAAAAAAAAJ/f38AgICAA8zMzADAwP8Af39/AAAAAAAAAAAAAAAAAP///wAAAAAAIQAAABgAAAAUAAAAOSAAAAYBAABtKgAA0A4AABAAAAAmAAAACAAAAP//////////"/>
+                <pr:smNativeData xmlns:pr="smNativeData" val="SMDATA_15_Na6sYxMAAAAlAAAAEQAAAC8BAAAAkAAAAEgAAACQAAAASAAAAAAAAAAAAAAAAAAAAAEAAABQAAAAAAAAAAAA4D8AAAAAAADgPwAAAAAAAOA/AAAAAAAA4D8AAAAAAADgPwAAAAAAAOA/AAAAAAAA4D8AAAAAAADgPwAAAAAAAOA/AAAAAAAA4D8CAAAAjAAAAAAAAAAAAAAAu+DjDP///wgAAAAAAAAAAAAAAAAAAAAAAAAAAAAAAAAAAAAAZAAAAAEAAABAAAAAAAAAAAAAAAAAAAAAAAAAAAAAAAAAAAAAAAAAAAAAAAAAAAAAAAAAAAAAAAAAAAAAAAAAAAAAAAAAAAAAAAAAAAAAAAAAAAAAAAAAAAAAAAAAAAAAFAAAADwAAAAAAAAAAAAAAAAAAAkUAAAAAQAAABQAAAAUAAAAFAAAAAEAAAAAAAAAZAAAAGQAAAAAAAAAZAAAAGQAAAAVAAAAYAAAAAAAAAAAAAAADwAAACADAAAAAAAAAAAAAAEAAACgMgAAVgcAAKr4//8BAAAAf39/AAEAAABkAAAAAAAAABQAAABAHwAAAAAAACYAAAAAAAAAwOD//wAAAAAmAAAAZAAAABYAAABMAAAAAAAAAAAAAAAEAAAAAAAAAAEAAACAgIAKAAAAACgAAAAoAAAAZAAAAGQAAAAAAAAAzMzMAAAAAABQAAAAUAAAAGQAAABkAAAAAAAAAAcAAAA4AAAAAAAAAAAAAAAAAAAA////AAAAAAAAAAAAAAAAAAAAAAAAAAAAAAAAAAAAAABkAAAAZAAAAAAAAAAjAAAABAAAAGQAAAAXAAAAFAAAAAAAAAAAAAAA/38AAP9/AAAAAAAACQAAAAQAAACcxxIMDAAAABAAAAAAAAAAAAAAAAAAAAAAAAAAHgAAAGgAAAAAAAAAAAAAAAAAAAAAAAAAAAAAABAnAAAQJwAAAAAAAAAAAAAAAAAAAAAAAAAAAAAAAAAAAAAAAAAAAAAUAAAAAAAAAMDA/wAAAAAAZAAAADIAAAAAAAAAZAAAAAAAAAB/f38ACgAAAB8AAABUAAAAu+DjBf///wEAAAAAAAAAAAAAAAAAAAAAAAAAAAAAAAAAAAAAAAAAAAAAAAJ/f38AgICAA8zMzADAwP8Af39/AAAAAAAAAAAAAAAAAP///wAAAAAAIQAAABgAAAAUAAAAOSAAAAYBAABtKgAA0A4AABAAAAAmAAAACAAAAP//////////"/>
               </a:ext>
             </a:extLst>
           </p:cNvPicPr>
@@ -3869,7 +3869,7 @@
             <a:picLocks noChangeAspect="1"/>
             <a:extLst>
               <a:ext uri="smNativeData">
-                <pr:smNativeData xmlns:pr="smNativeData" val="SMDATA_15_B6msYxMAAAAlAAAAEQAAAC8BAAAAkAAAAEgAAACQAAAASAAAAAAAAAAAAAAAAAAAAAEAAABQAAAAAAAAAAAA4D8AAAAAAADgPwAAAAAAAOA/AAAAAAAA4D8AAAAAAADgPwAAAAAAAOA/AAAAAAAA4D8AAAAAAADgPwAAAAAAAOA/AAAAAAAA4D8CAAAAjAAAAAAAAAAAAAAAu+DjDP///wgAAAAAAAAAAAAAAAAAAAAAAAAAAAAAAAAAAAAAZAAAAAEAAABAAAAAAAAAAAAAAAAAAAAAAAAAAAAAAAAAAAAAAAAAAAAAAAAAAAAAAAAAAAAAAAAAAAAAAAAAAAAAAAAAAAAAAAAAAAAAAAAAAAAAAAAAAAAAAAAAAAAAFAAAADwAAAAAAAAAAAAAAAAAAAkUAAAAAQAAABQAAAAUAAAAFAAAAAEAAAAAAAAAZAAAAGQAAAAAAAAAZAAAAGQAAAAVAAAAYAAAAAAAAAAAAAAADwAAACADAAAAAAAAAAAAAAEAAACgMgAAVgcAAKr4//8BAAAAf39/AAEAAABkAAAAAAAAABQAAABAHwAAAAAAACYAAAAAAAAAwOD//wAAAAAmAAAAZAAAABYAAABMAAAAAAAAAAAAAAAEAAAAAAAAAAEAAACAgIAKAAAAACgAAAAoAAAAZAAAAGQAAAAAAAAAzMzMAAAAAABQAAAAUAAAAGQAAABkAAAAAAAAAAcAAAA4AAAAAAAAAAAAAAAAAAAA////AAAAAAAAAAAAAAAAAAAAAAAAAAAAAAAAAAAAAABkAAAAZAAAAAAAAAAjAAAABAAAAGQAAAAXAAAAFAAAAAAAAAAAAAAA/38AAP9/AAAAAAAACQAAAAQAAAD/////DAAAABAAAAAAAAAAAAAAAAAAAAAAAAAAHgAAAGgAAAAAAAAAAAAAAAAAAAAAAAAAAAAAABAnAAAQJwAAAAAAAAAAAAAAAAAAAAAAAAAAAAAAAAAAAAAAAAAAAAAUAAAAAAAAAMDA/wAAAAAAZAAAADIAAAAAAAAAZAAAAAAAAAB/f38ACgAAAB8AAABUAAAAu+DjBf///wEAAAAAAAAAAAAAAAAAAAAAAAAAAAAAAAAAAAAAAAAAAAAAAAJ/f38AgICAA8zMzADAwP8Af39/AAAAAAAAAAAAAAAAAP///wAAAAAAIQAAABgAAAAUAAAAKg0AAAIPAABHGAAAUxkAABAAAAAmAAAACAAAAP//////////"/>
+                <pr:smNativeData xmlns:pr="smNativeData" val="SMDATA_15_Na6sYxMAAAAlAAAAEQAAAC8BAAAAkAAAAEgAAACQAAAASAAAAAAAAAAAAAAAAAAAAAEAAABQAAAAAAAAAAAA4D8AAAAAAADgPwAAAAAAAOA/AAAAAAAA4D8AAAAAAADgPwAAAAAAAOA/AAAAAAAA4D8AAAAAAADgPwAAAAAAAOA/AAAAAAAA4D8CAAAAjAAAAAAAAAAAAAAAu+DjDP///wgAAAAAAAAAAAAAAAAAAAAAAAAAAAAAAAAAAAAAZAAAAAEAAABAAAAAAAAAAAAAAAAAAAAAAAAAAAAAAAAAAAAAAAAAAAAAAAAAAAAAAAAAAAAAAAAAAAAAAAAAAAAAAAAAAAAAAAAAAAAAAAAAAAAAAAAAAAAAAAAAAAAAFAAAADwAAAAAAAAAAAAAAAAAAAkUAAAAAQAAABQAAAAUAAAAFAAAAAEAAAAAAAAAZAAAAGQAAAAAAAAAZAAAAGQAAAAVAAAAYAAAAAAAAAAAAAAADwAAACADAAAAAAAAAAAAAAEAAACgMgAAVgcAAKr4//8BAAAAf39/AAEAAABkAAAAAAAAABQAAABAHwAAAAAAACYAAAAAAAAAwOD//wAAAAAmAAAAZAAAABYAAABMAAAAAAAAAAAAAAAEAAAAAAAAAAEAAACAgIAKAAAAACgAAAAoAAAAZAAAAGQAAAAAAAAAzMzMAAAAAABQAAAAUAAAAGQAAABkAAAAAAAAAAcAAAA4AAAAAAAAAAAAAAAAAAAA////AAAAAAAAAAAAAAAAAAAAAAAAAAAAAAAAAAAAAABkAAAAZAAAAAAAAAAjAAAABAAAAGQAAAAXAAAAFAAAAAAAAAAAAAAA/38AAP9/AAAAAAAACQAAAAQAAAD/////DAAAABAAAAAAAAAAAAAAAAAAAAAAAAAAHgAAAGgAAAAAAAAAAAAAAAAAAAAAAAAAAAAAABAnAAAQJwAAAAAAAAAAAAAAAAAAAAAAAAAAAAAAAAAAAAAAAAAAAAAUAAAAAAAAAMDA/wAAAAAAZAAAADIAAAAAAAAAZAAAAAAAAAB/f38ACgAAAB8AAABUAAAAu+DjBf///wEAAAAAAAAAAAAAAAAAAAAAAAAAAAAAAAAAAAAAAAAAAAAAAAJ/f38AgICAA8zMzADAwP8Af39/AAAAAAAAAAAAAAAAAP///wAAAAAAIQAAABgAAAAUAAAAKg0AAAIPAABHGAAAUxkAABAAAAAmAAAACAAAAP//////////"/>
               </a:ext>
             </a:extLst>
           </p:cNvPicPr>
@@ -3903,7 +3903,7 @@
             <a:picLocks noChangeAspect="1"/>
             <a:extLst>
               <a:ext uri="smNativeData">
-                <pr:smNativeData xmlns:pr="smNativeData" val="SMDATA_15_B6msYxMAAAAlAAAAEQAAAC8BAAAAkAAAAEgAAACQAAAASAAAAAAAAAAAAAAAAAAAAAEAAABQAAAAAAAAAAAA4D8AAAAAAADgPwAAAAAAAOA/AAAAAAAA4D8AAAAAAADgPwAAAAAAAOA/AAAAAAAA4D8AAAAAAADgPwAAAAAAAOA/AAAAAAAA4D8CAAAAjAAAAAAAAAAAAAAAu+DjDP///wgAAAAAAAAAAAAAAAAAAAAAAAAAAAAAAAAAAAAAZAAAAAEAAABAAAAAAAAAAAAAAAAAAAAAAAAAAAAAAAAAAAAAAAAAAAAAAAAAAAAAAAAAAAAAAAAAAAAAAAAAAAAAAAAAAAAAAAAAAAAAAAAAAAAAAAAAAAAAAAAAAAAAFAAAADwAAAAAAAAAAAAAAAAAAAkUAAAAAQAAABQAAAAUAAAAFAAAAAEAAAAAAAAAZAAAAGQAAAAAAAAAZAAAAGQAAAAVAAAAYAAAAAAAAAAAAAAADwAAACADAAAAAAAAAAAAAAEAAACgMgAAVgcAAKr4//8BAAAAf39/AAEAAABkAAAAAAAAABQAAABAHwAAAAAAACYAAAAAAAAAwOD//wAAAAAmAAAAZAAAABYAAABMAAAAAAAAAAAAAAAEAAAAAAAAAAEAAACAgIAKAAAAACgAAAAoAAAAZAAAAGQAAAAAAAAAzMzMAAAAAABQAAAAUAAAAGQAAABkAAAAAAAAAAcAAAA4AAAAAAAAAAAAAAAAAAAA////AAAAAAAAAAAAAAAAAAAAAAAAAAAAAAAAAAAAAABkAAAAZAAAAAAAAAAjAAAABAAAAGQAAAAXAAAAFAAAAAAAAAAAAAAA/38AAP9/AAAAAAAACQAAAAQAAAC6AgAADAAAABAAAAAAAAAAAAAAAAAAAAAAAAAAHgAAAGgAAAAAAAAAAAAAAAAAAAAAAAAAAAAAABAnAAAQJwAAAAAAAAAAAAAAAAAAAAAAAAAAAAAAAAAAAAAAAAAAAAAUAAAAAAAAAMDA/wAAAAAAZAAAADIAAAAAAAAAZAAAAAAAAAB/f38ACgAAAB8AAABUAAAAu+DjBf///wEAAAAAAAAAAAAAAAAAAAAAAAAAAAAAAAAAAAAAAAAAAAAAAAJ/f38AgICAA8zMzADAwP8Af39/AAAAAAAAAAAAAAAAAP///wAAAAAAIQAAABgAAAAUAAAAVRgAAAIPAAAEIwAAKRkAABAAAAAmAAAACAAAAP//////////"/>
+                <pr:smNativeData xmlns:pr="smNativeData" val="SMDATA_15_Na6sYxMAAAAlAAAAEQAAAC8BAAAAkAAAAEgAAACQAAAASAAAAAAAAAAAAAAAAAAAAAEAAABQAAAAAAAAAAAA4D8AAAAAAADgPwAAAAAAAOA/AAAAAAAA4D8AAAAAAADgPwAAAAAAAOA/AAAAAAAA4D8AAAAAAADgPwAAAAAAAOA/AAAAAAAA4D8CAAAAjAAAAAAAAAAAAAAAu+DjDP///wgAAAAAAAAAAAAAAAAAAAAAAAAAAAAAAAAAAAAAZAAAAAEAAABAAAAAAAAAAAAAAAAAAAAAAAAAAAAAAAAAAAAAAAAAAAAAAAAAAAAAAAAAAAAAAAAAAAAAAAAAAAAAAAAAAAAAAAAAAAAAAAAAAAAAAAAAAAAAAAAAAAAAFAAAADwAAAAAAAAAAAAAAAAAAAkUAAAAAQAAABQAAAAUAAAAFAAAAAEAAAAAAAAAZAAAAGQAAAAAAAAAZAAAAGQAAAAVAAAAYAAAAAAAAAAAAAAADwAAACADAAAAAAAAAAAAAAEAAACgMgAAVgcAAKr4//8BAAAAf39/AAEAAABkAAAAAAAAABQAAABAHwAAAAAAACYAAAAAAAAAwOD//wAAAAAmAAAAZAAAABYAAABMAAAAAAAAAAAAAAAEAAAAAAAAAAEAAACAgIAKAAAAACgAAAAoAAAAZAAAAGQAAAAAAAAAzMzMAAAAAABQAAAAUAAAAGQAAABkAAAAAAAAAAcAAAA4AAAAAAAAAAAAAAAAAAAA////AAAAAAAAAAAAAAAAAAAAAAAAAAAAAAAAAAAAAABkAAAAZAAAAAAAAAAjAAAABAAAAGQAAAAXAAAAFAAAAAAAAAAAAAAA/38AAP9/AAAAAAAACQAAAAQAAAC6AgAADAAAABAAAAAAAAAAAAAAAAAAAAAAAAAAHgAAAGgAAAAAAAAAAAAAAAAAAAAAAAAAAAAAABAnAAAQJwAAAAAAAAAAAAAAAAAAAAAAAAAAAAAAAAAAAAAAAAAAAAAUAAAAAAAAAMDA/wAAAAAAZAAAADIAAAAAAAAAZAAAAAAAAAB/f38ACgAAAB8AAABUAAAAu+DjBf///wEAAAAAAAAAAAAAAAAAAAAAAAAAAAAAAAAAAAAAAAAAAAAAAAJ/f38AgICAA8zMzADAwP8Af39/AAAAAAAAAAAAAAAAAP///wAAAAAAIQAAABgAAAAUAAAAVRgAAAIPAAAEIwAAKRkAABAAAAAmAAAACAAAAP//////////"/>
               </a:ext>
             </a:extLst>
           </p:cNvPicPr>
@@ -3937,7 +3937,7 @@
             <a:picLocks noChangeAspect="1"/>
             <a:extLst>
               <a:ext uri="smNativeData">
-                <pr:smNativeData xmlns:pr="smNativeData" val="SMDATA_15_B6msYxMAAAAlAAAAEQAAAC8BAAAAkAAAAEgAAACQAAAASAAAAAAAAAAAAAAAAAAAAAEAAABQAAAAAAAAAAAA4D8AAAAAAADgPwAAAAAAAOA/AAAAAAAA4D8AAAAAAADgPwAAAAAAAOA/AAAAAAAA4D8AAAAAAADgPwAAAAAAAOA/AAAAAAAA4D8CAAAAjAAAAAAAAAAAAAAAu+DjDP///wgAAAAAAAAAAAAAAAAAAAAAAAAAAAAAAAAAAAAAZAAAAAEAAABAAAAAAAAAAAAAAAAAAAAAAAAAAAAAAAAAAAAAAAAAAAAAAAAAAAAAAAAAAAAAAAAAAAAAAAAAAAAAAAAAAAAAAAAAAAAAAAAAAAAAAAAAAAAAAAAAAAAAFAAAADwAAAAAAAAAAAAAAAAAAAkUAAAAAQAAABQAAAAUAAAAFAAAAAEAAAAAAAAAZAAAAGQAAAAAAAAAZAAAAGQAAAAVAAAAYAAAAAAAAAAAAAAADwAAACADAAAAAAAAAAAAAAEAAACgMgAAVgcAAKr4//8BAAAAf39/AAEAAABkAAAAAAAAABQAAABAHwAAAAAAACYAAAAAAAAAwOD//wAAAAAmAAAAZAAAABYAAABMAAAAAAAAAAAAAAAEAAAAAAAAAAEAAACAgIAKAAAAACgAAAAoAAAAZAAAAGQAAAAAAAAAzMzMAAAAAABQAAAAUAAAAGQAAABkAAAAAAAAAAcAAAA4AAAAAAAAAAAAAAAAAAAA////AAAAAAAAAAAAAAAAAAAAAAAAAAAAAAAAAAAAAABkAAAAZAAAAAAAAAAjAAAABAAAAGQAAAAXAAAAFAAAAAAAAAAAAAAA/38AAP9/AAAAAAAACQAAAAQAAAAAAAAADAAAABAAAAAAAAAAAAAAAAAAAAAAAAAAHgAAAGgAAAAAAAAAAAAAAAAAAAAAAAAAAAAAABAnAAAQJwAAAAAAAAAAAAAAAAAAAAAAAAAAAAAAAAAAAAAAAAAAAAAUAAAAAAAAAMDA/wAAAAAAZAAAADIAAAAAAAAAZAAAAAAAAAB/f38ACgAAAB8AAABUAAAAu+DjBf///wEAAAAAAAAAAAAAAAAAAAAAAAAAAAAAAAAAAAAAAAAAAAAAAAJ/f38AgICAA8zMzADAwP8Af39/AAAAAAAAAAAAAAAAAP///wAAAAAAIQAAABgAAAAUAAAAUwEAAAIPAADODAAAKRkAABAAAAAmAAAACAAAAP//////////"/>
+                <pr:smNativeData xmlns:pr="smNativeData" val="SMDATA_15_Na6sYxMAAAAlAAAAEQAAAC8BAAAAkAAAAEgAAACQAAAASAAAAAAAAAAAAAAAAAAAAAEAAABQAAAAAAAAAAAA4D8AAAAAAADgPwAAAAAAAOA/AAAAAAAA4D8AAAAAAADgPwAAAAAAAOA/AAAAAAAA4D8AAAAAAADgPwAAAAAAAOA/AAAAAAAA4D8CAAAAjAAAAAAAAAAAAAAAu+DjDP///wgAAAAAAAAAAAAAAAAAAAAAAAAAAAAAAAAAAAAAZAAAAAEAAABAAAAAAAAAAAAAAAAAAAAAAAAAAAAAAAAAAAAAAAAAAAAAAAAAAAAAAAAAAAAAAAAAAAAAAAAAAAAAAAAAAAAAAAAAAAAAAAAAAAAAAAAAAAAAAAAAAAAAFAAAADwAAAAAAAAAAAAAAAAAAAkUAAAAAQAAABQAAAAUAAAAFAAAAAEAAAAAAAAAZAAAAGQAAAAAAAAAZAAAAGQAAAAVAAAAYAAAAAAAAAAAAAAADwAAACADAAAAAAAAAAAAAAEAAACgMgAAVgcAAKr4//8BAAAAf39/AAEAAABkAAAAAAAAABQAAABAHwAAAAAAACYAAAAAAAAAwOD//wAAAAAmAAAAZAAAABYAAABMAAAAAAAAAAAAAAAEAAAAAAAAAAEAAACAgIAKAAAAACgAAAAoAAAAZAAAAGQAAAAAAAAAzMzMAAAAAABQAAAAUAAAAGQAAABkAAAAAAAAAAcAAAA4AAAAAAAAAAAAAAAAAAAA////AAAAAAAAAAAAAAAAAAAAAAAAAAAAAAAAAAAAAABkAAAAZAAAAAAAAAAjAAAABAAAAGQAAAAXAAAAFAAAAAAAAAAAAAAA/38AAP9/AAAAAAAACQAAAAQAAAAAAAAADAAAABAAAAAAAAAAAAAAAAAAAAAAAAAAHgAAAGgAAAAAAAAAAAAAAAAAAAAAAAAAAAAAABAnAAAQJwAAAAAAAAAAAAAAAAAAAAAAAAAAAAAAAAAAAAAAAAAAAAAUAAAAAAAAAMDA/wAAAAAAZAAAADIAAAAAAAAAZAAAAAAAAAB/f38ACgAAAB8AAABUAAAAu+DjBf///wEAAAAAAAAAAAAAAAAAAAAAAAAAAAAAAAAAAAAAAAAAAAAAAAJ/f38AgICAA8zMzADAwP8Af39/AAAAAAAAAAAAAAAAAP///wAAAAAAIQAAABgAAAAUAAAAUwEAAAIPAADODAAAKRkAABAAAAAmAAAACAAAAP//////////"/>
               </a:ext>
             </a:extLst>
           </p:cNvPicPr>
@@ -4003,7 +4003,7 @@
             <a:picLocks noChangeAspect="1"/>
             <a:extLst>
               <a:ext uri="smNativeData">
-                <pr:smNativeData xmlns:pr="smNativeData" val="SMDATA_15_B6msYxMAAAAlAAAAEQAAAC8BAAAAkAAAAEgAAACQAAAASAAAAAAAAAAAAAAAAAAAAAEAAABQAAAAAAAAAAAA4D8AAAAAAADgPwAAAAAAAOA/AAAAAAAA4D8AAAAAAADgPwAAAAAAAOA/AAAAAAAA4D8AAAAAAADgPwAAAAAAAOA/AAAAAAAA4D8CAAAAjAAAAAAAAAAAAAAAu+DjDP///wgAAAAAAAAAAAAAAAAAAAAAAAAAAAAAAAAAAAAAZAAAAAEAAABAAAAAAAAAAAAAAAAAAAAAAAAAAAAAAAAAAAAAAAAAAAAAAAAAAAAAAAAAAAAAAAAAAAAAAAAAAAAAAAAAAAAAAAAAAAAAAAAAAAAAAAAAAAAAAAAAAAAAFAAAADwAAAAAAAAAAAAAAAAAAAkUAAAAAQAAABQAAAAUAAAAFAAAAAEAAAAAAAAAZAAAAGQAAAAAAAAAZAAAAGQAAAAVAAAAYAAAAAAAAAAAAAAADwAAACADAAAAAAAAAAAAAAEAAACgMgAAVgcAAKr4//8BAAAAf39/AAEAAABkAAAAAAAAABQAAABAHwAAAAAAACYAAAAAAAAAwOD//wAAAAAmAAAAZAAAABYAAABMAAAAAAAAAAAAAAAEAAAAAAAAAAEAAACAgIAKAAAAACgAAAAoAAAAZAAAAGQAAAAAAAAAzMzMAAAAAABQAAAAUAAAAGQAAABkAAAAAAAAAAcAAAA4AAAAAAAAAAAAAAAAAAAA////AAAAAAAAAAAAAAAAAAAAAAAAAAAAAAAAAAAAAABkAAAAZAAAAAAAAAAjAAAABAAAAGQAAAAXAAAAFAAAAAAAAAAAAAAA/38AAP9/AAAAAAAACQAAAAQAAABEqHYJDAAAABAAAAAAAAAAAAAAAAAAAAAAAAAAHgAAAGgAAAAAAAAAAAAAAAAAAAAAAAAAAAAAABAnAAAQJwAAAAAAAAAAAAAAAAAAAAAAAAAAAAAAAAAAAAAAAAAAAAAUAAAAAAAAAMDA/wAAAAAAZAAAADIAAAAAAAAAZAAAAAAAAAB/f38ACgAAAB8AAABUAAAAu+DjBf///wEAAAAAAAAAAAAAAAAAAAAAAAAAAAAAAAAAAAAAAAAAAAAAAAJ/f38AgICAA8zMzADAwP8Af39/AAAAAAAAAAAAAAAAAP///wAAAAAAIQAAABgAAAAUAAAAiAMAABAHAADkLgAADBoAABAAAAAmAAAACAAAAP//////////"/>
+                <pr:smNativeData xmlns:pr="smNativeData" val="SMDATA_15_Na6sYxMAAAAlAAAAEQAAAC8BAAAAkAAAAEgAAACQAAAASAAAAAAAAAAAAAAAAAAAAAEAAABQAAAAAAAAAAAA4D8AAAAAAADgPwAAAAAAAOA/AAAAAAAA4D8AAAAAAADgPwAAAAAAAOA/AAAAAAAA4D8AAAAAAADgPwAAAAAAAOA/AAAAAAAA4D8CAAAAjAAAAAAAAAAAAAAAu+DjDP///wgAAAAAAAAAAAAAAAAAAAAAAAAAAAAAAAAAAAAAZAAAAAEAAABAAAAAAAAAAAAAAAAAAAAAAAAAAAAAAAAAAAAAAAAAAAAAAAAAAAAAAAAAAAAAAAAAAAAAAAAAAAAAAAAAAAAAAAAAAAAAAAAAAAAAAAAAAAAAAAAAAAAAFAAAADwAAAAAAAAAAAAAAAAAAAkUAAAAAQAAABQAAAAUAAAAFAAAAAEAAAAAAAAAZAAAAGQAAAAAAAAAZAAAAGQAAAAVAAAAYAAAAAAAAAAAAAAADwAAACADAAAAAAAAAAAAAAEAAACgMgAAVgcAAKr4//8BAAAAf39/AAEAAABkAAAAAAAAABQAAABAHwAAAAAAACYAAAAAAAAAwOD//wAAAAAmAAAAZAAAABYAAABMAAAAAAAAAAAAAAAEAAAAAAAAAAEAAACAgIAKAAAAACgAAAAoAAAAZAAAAGQAAAAAAAAAzMzMAAAAAABQAAAAUAAAAGQAAABkAAAAAAAAAAcAAAA4AAAAAAAAAAAAAAAAAAAA////AAAAAAAAAAAAAAAAAAAAAAAAAAAAAAAAAAAAAABkAAAAZAAAAAAAAAAjAAAABAAAAGQAAAAXAAAAFAAAAAAAAAAAAAAA/38AAP9/AAAAAAAACQAAAAQAAABEqHYJDAAAABAAAAAAAAAAAAAAAAAAAAAAAAAAHgAAAGgAAAAAAAAAAAAAAAAAAAAAAAAAAAAAABAnAAAQJwAAAAAAAAAAAAAAAAAAAAAAAAAAAAAAAAAAAAAAAAAAAAAUAAAAAAAAAMDA/wAAAAAAZAAAADIAAAAAAAAAZAAAAAAAAAB/f38ACgAAAB8AAABUAAAAu+DjBf///wEAAAAAAAAAAAAAAAAAAAAAAAAAAAAAAAAAAAAAAAAAAAAAAAJ/f38AgICAA8zMzADAwP8Af39/AAAAAAAAAAAAAAAAAP///wAAAAAAIQAAABgAAAAUAAAAiAMAABAHAADkLgAADBoAABAAAAAmAAAACAAAAP//////////"/>
               </a:ext>
             </a:extLst>
           </p:cNvPicPr>
@@ -4069,7 +4069,7 @@
             <a:picLocks noChangeAspect="1"/>
             <a:extLst>
               <a:ext uri="smNativeData">
-                <pr:smNativeData xmlns:pr="smNativeData" val="SMDATA_15_B6msYxMAAAAlAAAAEQAAAC8BAAAAkAAAAEgAAACQAAAASAAAAAAAAAAAAAAAAAAAAAEAAABQAAAAAAAAAAAA4D8AAAAAAADgPwAAAAAAAOA/AAAAAAAA4D8AAAAAAADgPwAAAAAAAOA/AAAAAAAA4D8AAAAAAADgPwAAAAAAAOA/AAAAAAAA4D8CAAAAjAAAAAAAAAAAAAAAu+DjDP///wgAAAAAAAAAAAAAAAAAAAAAAAAAAAAAAAAAAAAAZAAAAAEAAABAAAAAAAAAAAAAAAAAAAAAAAAAAAAAAAAAAAAAAAAAAAAAAAAAAAAAAAAAAAAAAAAAAAAAAAAAAAAAAAAAAAAAAAAAAAAAAAAAAAAAAAAAAAAAAAAAAAAAFAAAADwAAAAAAAAAAAAAAAAAAAkUAAAAAQAAABQAAAAUAAAAFAAAAAEAAAAAAAAAZAAAAGQAAAAAAAAAZAAAAGQAAAAVAAAAYAAAAAAAAAAAAAAADwAAACADAAAAAAAAAAAAAAEAAACgMgAAVgcAAKr4//8BAAAAf39/AAEAAABkAAAAAAAAABQAAABAHwAAAAAAACYAAAAAAAAAwOD//wAAAAAmAAAAZAAAABYAAABMAAAAAAAAAAAAAAAEAAAAAAAAAAEAAACAgIAKAAAAACgAAAAoAAAAZAAAAGQAAAAAAAAAzMzMAAAAAABQAAAAUAAAAGQAAABkAAAAAAAAAAcAAAA4AAAAAAAAAAAAAAAAAAAA////AAAAAAAAAAAAAAAAAAAAAAAAAAAAAAAAAAAAAABkAAAAZAAAAAAAAAAjAAAABAAAAGQAAAAXAAAAFAAAAAAAAAAAAAAA/38AAP9/AAAAAAAACQAAAAQAAADAAxAADAAAABAAAAAAAAAAAAAAAAAAAAAAAAAAHgAAAGgAAAAAAAAAAAAAAAAAAAAAAAAAAAAAABAnAAAQJwAAAAAAAAAAAAAAAAAAAAAAAAAAAAAAAAAAAAAAAAAAAAAUAAAAAAAAAMDA/wAAAAAAZAAAADIAAAAAAAAAZAAAAAAAAAB/f38ACgAAAB8AAABUAAAAu+DjBf///wEAAAAAAAAAAAAAAAAAAAAAAAAAAAAAAAAAAAAAAAAAAAAAAAJ/f38AgICAA8zMzADAwP8Af39/AAAAAAAAAAAAAAAAAP///wAAAAAAIQAAABgAAAAUAAAAJwQAAJgKAADtGgAArhkAAAAAAAAmAAAACAAAAP//////////"/>
+                <pr:smNativeData xmlns:pr="smNativeData" val="SMDATA_15_Na6sYxMAAAAlAAAAEQAAAC8BAAAAkAAAAEgAAACQAAAASAAAAAAAAAAAAAAAAAAAAAEAAABQAAAAAAAAAAAA4D8AAAAAAADgPwAAAAAAAOA/AAAAAAAA4D8AAAAAAADgPwAAAAAAAOA/AAAAAAAA4D8AAAAAAADgPwAAAAAAAOA/AAAAAAAA4D8CAAAAjAAAAAAAAAAAAAAAu+DjDP///wgAAAAAAAAAAAAAAAAAAAAAAAAAAAAAAAAAAAAAZAAAAAEAAABAAAAAAAAAAAAAAAAAAAAAAAAAAAAAAAAAAAAAAAAAAAAAAAAAAAAAAAAAAAAAAAAAAAAAAAAAAAAAAAAAAAAAAAAAAAAAAAAAAAAAAAAAAAAAAAAAAAAAFAAAADwAAAAAAAAAAAAAAAAAAAkUAAAAAQAAABQAAAAUAAAAFAAAAAEAAAAAAAAAZAAAAGQAAAAAAAAAZAAAAGQAAAAVAAAAYAAAAAAAAAAAAAAADwAAACADAAAAAAAAAAAAAAEAAACgMgAAVgcAAKr4//8BAAAAf39/AAEAAABkAAAAAAAAABQAAABAHwAAAAAAACYAAAAAAAAAwOD//wAAAAAmAAAAZAAAABYAAABMAAAAAAAAAAAAAAAEAAAAAAAAAAEAAACAgIAKAAAAACgAAAAoAAAAZAAAAGQAAAAAAAAAzMzMAAAAAABQAAAAUAAAAGQAAABkAAAAAAAAAAcAAAA4AAAAAAAAAAAAAAAAAAAA////AAAAAAAAAAAAAAAAAAAAAAAAAAAAAAAAAAAAAABkAAAAZAAAAAAAAAAjAAAABAAAAGQAAAAXAAAAFAAAAAAAAAAAAAAA/38AAP9/AAAAAAAACQAAAAQAAADAAxAADAAAABAAAAAAAAAAAAAAAAAAAAAAAAAAHgAAAGgAAAAAAAAAAAAAAAAAAAAAAAAAAAAAABAnAAAQJwAAAAAAAAAAAAAAAAAAAAAAAAAAAAAAAAAAAAAAAAAAAAAUAAAAAAAAAMDA/wAAAAAAZAAAADIAAAAAAAAAZAAAAAAAAAB/f38ACgAAAB8AAABUAAAAu+DjBf///wEAAAAAAAAAAAAAAAAAAAAAAAAAAAAAAAAAAAAAAAAAAAAAAAJ/f38AgICAA8zMzADAwP8Af39/AAAAAAAAAAAAAAAAAP///wAAAAAAIQAAABgAAAAUAAAAJwQAAJgKAADtGgAArhkAABAAAAAmAAAACAAAAP//////////"/>
               </a:ext>
             </a:extLst>
           </p:cNvPicPr>
@@ -4103,7 +4103,7 @@
             <a:picLocks noChangeAspect="1"/>
             <a:extLst>
               <a:ext uri="smNativeData">
-                <pr:smNativeData xmlns:pr="smNativeData" val="SMDATA_15_B6msYxMAAAAlAAAAEQAAAC8BAAAAkAAAAEgAAACQAAAASAAAAAAAAAAAAAAAAAAAAAEAAABQAAAAAAAAAAAA4D8AAAAAAADgPwAAAAAAAOA/AAAAAAAA4D8AAAAAAADgPwAAAAAAAOA/AAAAAAAA4D8AAAAAAADgPwAAAAAAAOA/AAAAAAAA4D8CAAAAjAAAAAAAAAAAAAAAu+DjDP///wgAAAAAAAAAAAAAAAAAAAAAAAAAAAAAAAAAAAAAZAAAAAEAAABAAAAAAAAAAAAAAAAAAAAAAAAAAAAAAAAAAAAAAAAAAAAAAAAAAAAAAAAAAAAAAAAAAAAAAAAAAAAAAAAAAAAAAAAAAAAAAAAAAAAAAAAAAAAAAAAAAAAAFAAAADwAAAAAAAAAAAAAAAAAAAkUAAAAAQAAABQAAAAUAAAAFAAAAAEAAAAAAAAAZAAAAGQAAAAAAAAAZAAAAGQAAAAVAAAAYAAAAAAAAAAAAAAADwAAACADAAAAAAAAAAAAAAEAAACgMgAAVgcAAKr4//8BAAAAf39/AAEAAABkAAAAAAAAABQAAABAHwAAAAAAACYAAAAAAAAAwOD//wAAAAAmAAAAZAAAABYAAABMAAAAAAAAAAAAAAAEAAAAAAAAAAEAAACAgIAKAAAAACgAAAAoAAAAZAAAAGQAAAAAAAAAzMzMAAAAAABQAAAAUAAAAGQAAABkAAAAAAAAAAcAAAA4AAAAAAAAAAAAAAAAAAAA////AAAAAAAAAAAAAAAAAAAAAAAAAAAAAAAAAAAAAABkAAAAZAAAAAAAAAAjAAAABAAAAGQAAAAXAAAAFAAAAAAAAAAAAAAA/38AAP9/AAAAAAAACQAAAAQAAAB8Yu0LDAAAABAAAAAAAAAAAAAAAAAAAAAAAAAAHgAAAGgAAAAAAAAAAAAAAAAAAAAAAAAAAAAAABAnAAAQJwAAAAAAAAAAAAAAAAAAAAAAAAAAAAAAAAAAAAAAAAAAAAAUAAAAAAAAAMDA/wAAAAAAZAAAADIAAAAAAAAAZAAAAAAAAAB/f38ACgAAAB8AAABUAAAAu+DjBf///wEAAAAAAAAAAAAAAAAAAAAAAAAAAAAAAAAAAAAAAAAAAAAAAAJ/f38AgICAA8zMzADAwP8Af39/AAAAAAAAAAAAAAAAAP///wAAAAAAIQAAABgAAAAUAAAARh4AAJgKAAAOLQAAmhkAAAAAAAAmAAAACAAAAP//////////"/>
+                <pr:smNativeData xmlns:pr="smNativeData" val="SMDATA_15_Na6sYxMAAAAlAAAAEQAAAC8BAAAAkAAAAEgAAACQAAAASAAAAAAAAAAAAAAAAAAAAAEAAABQAAAAAAAAAAAA4D8AAAAAAADgPwAAAAAAAOA/AAAAAAAA4D8AAAAAAADgPwAAAAAAAOA/AAAAAAAA4D8AAAAAAADgPwAAAAAAAOA/AAAAAAAA4D8CAAAAjAAAAAAAAAAAAAAAu+DjDP///wgAAAAAAAAAAAAAAAAAAAAAAAAAAAAAAAAAAAAAZAAAAAEAAABAAAAAAAAAAAAAAAAAAAAAAAAAAAAAAAAAAAAAAAAAAAAAAAAAAAAAAAAAAAAAAAAAAAAAAAAAAAAAAAAAAAAAAAAAAAAAAAAAAAAAAAAAAAAAAAAAAAAAFAAAADwAAAAAAAAAAAAAAAAAAAkUAAAAAQAAABQAAAAUAAAAFAAAAAEAAAAAAAAAZAAAAGQAAAAAAAAAZAAAAGQAAAAVAAAAYAAAAAAAAAAAAAAADwAAACADAAAAAAAAAAAAAAEAAACgMgAAVgcAAKr4//8BAAAAf39/AAEAAABkAAAAAAAAABQAAABAHwAAAAAAACYAAAAAAAAAwOD//wAAAAAmAAAAZAAAABYAAABMAAAAAAAAAAAAAAAEAAAAAAAAAAEAAACAgIAKAAAAACgAAAAoAAAAZAAAAGQAAAAAAAAAzMzMAAAAAABQAAAAUAAAAGQAAABkAAAAAAAAAAcAAAA4AAAAAAAAAAAAAAAAAAAA////AAAAAAAAAAAAAAAAAAAAAAAAAAAAAAAAAAAAAABkAAAAZAAAAAAAAAAjAAAABAAAAGQAAAAXAAAAFAAAAAAAAAAAAAAA/38AAP9/AAAAAAAACQAAAAQAAAB8Yu0LDAAAABAAAAAAAAAAAAAAAAAAAAAAAAAAHgAAAGgAAAAAAAAAAAAAAAAAAAAAAAAAAAAAABAnAAAQJwAAAAAAAAAAAAAAAAAAAAAAAAAAAAAAAAAAAAAAAAAAAAAUAAAAAAAAAMDA/wAAAAAAZAAAADIAAAAAAAAAZAAAAAAAAAB/f38ACgAAAB8AAABUAAAAu+DjBf///wEAAAAAAAAAAAAAAAAAAAAAAAAAAAAAAAAAAAAAAAAAAAAAAAJ/f38AgICAA8zMzADAwP8Af39/AAAAAAAAAAAAAAAAAP///wAAAAAAIQAAABgAAAAUAAAA3B4AAJgKAACkLQAAmhkAABAAAAAmAAAACAAAAP//////////"/>
               </a:ext>
             </a:extLst>
           </p:cNvPicPr>
@@ -4117,7 +4117,7 @@
         </p:blipFill>
         <p:spPr>
           <a:xfrm>
-            <a:off x="4921250" y="1722120"/>
+            <a:off x="5016500" y="1722120"/>
             <a:ext cx="2402840" cy="2439670"/>
           </a:xfrm>
           <a:prstGeom prst="rect">
@@ -4136,7 +4136,7 @@
           <p:cNvSpPr>
             <a:extLst>
               <a:ext uri="smNativeData">
-                <pr:smNativeData xmlns:pr="smNativeData" val="SMDATA_13_B6msYxMAAAAlAAAA2AAAAA8BAAAAkAAAAEgAAACQAAAASAAAAAAAAAAAAAAAAAAAAAEAAABQAAAAAAAAAAAA4D8AAAAAAADgPwAAAAAAAOA/AAAAAAAA4D8AAAAAAADgPwAAAAAAAOA/AAAAAAAA4D8AAAAAAADgPwAAAAAAAOA/AAAAAAAA4D8CAAAAjAAAAAEAAAAAAAAAs7OzAP///wgAAAAAAAAAAAAAAAAAAAAAAAAAAAAAAAAAAAAAZAAAAAEAAABAAAAAAAAAAAAAAAAAAAAAAAAAAAAAAAAAAAAAAAAAAAAAAAAAAAAAAAAAAAAAAAAAAAAAAAAAAAAAAAAAAAAAAAAAAAAAAAAAAAAAAAAAAAAAAAAAAAAAFAAAADwAAAABAAAAAAAAAAAAAAkUAAAAAQAAABQAAAAUAAAAFAAAAAEAAAAAAAAAZAAAAGQAAAAAAAAAZAAAAGQAAAAVAAAAYAAAAAAAAAAAAAAADwAAACADAAAAAAAAAAAAAAEAAACgMgAAVgcAAKr4//8BAAAAf39/AAEAAABkAAAAAAAAABQAAABAHwAAAAAAACYAAAAAAAAAwOD//wAAAAAmAAAAZAAAABYAAABMAAAAAAAAAAAAAAAEAAAAAAAAAAEAAACAgIAKAAAAACgAAAAoAAAAZAAAAGQAAAAAAAAAzMzMAAAAAABQAAAAUAAAAGQAAABkAAAAAAAAABcAAAAUAAAAAAAAAAAAAAD/fwAA/38AAAAAAAAJAAAABAAAAFNQSU4MAAAAEAAAAAAAAAAAAAAAAAAAAAAAAAAeAAAAaAAAAAAAAAAAAAAAAAAAAAAAAAAAAAAAECcAABAnAAAAAAAAAAAAAAAAAAAAAAAAAAAAAAAAAAAAAAAAAAAAABQAAAAAAAAAwMD/AAAAAABkAAAAMgAAAAAAAABkAAAAAAAAAH9/fwAKAAAAHwAAAFQAAACzs7MA////AQAAAAAAAAAAAAAAAAAAAAAAAAAAAAAAAAAAAAAAAAAAAAAAAn9/fwCAgIADzMzMAMDA/wB/f38AAAAAAAAAAAAAAAAAAAAAAAAAAAAhAAAAGAAAABQAAAB8GgAANxEAAAQeAAD7EgAAAAAAACYAAAAIAAAA//////////8="/>
+                <pr:smNativeData xmlns:pr="smNativeData" val="SMDATA_13_Na6sYxMAAAAlAAAA2AAAAA8BAAAAkAAAAEgAAACQAAAASAAAAAAAAAAAAAAAAAAAAAEAAABQAAAAAAAAAAAA4D8AAAAAAADgPwAAAAAAAOA/AAAAAAAA4D8AAAAAAADgPwAAAAAAAOA/AAAAAAAA4D8AAAAAAADgPwAAAAAAAOA/AAAAAAAA4D8CAAAAjAAAAAEAAAAAAAAAs7OzAP///wgAAAAAAAAAAAAAAAAAAAAAAAAAAAAAAAAAAAAAZAAAAAEAAABAAAAAAAAAAAAAAAAAAAAAAAAAAAAAAAAAAAAAAAAAAAAAAAAAAAAAAAAAAAAAAAAAAAAAAAAAAAAAAAAAAAAAAAAAAAAAAAAAAAAAAAAAAAAAAAAAAAAAFAAAADwAAAABAAAAAAAAAAAAAAkUAAAAAQAAABQAAAAUAAAAFAAAAAEAAAAAAAAAZAAAAGQAAAAAAAAAZAAAAGQAAAAVAAAAYAAAAAAAAAAAAAAADwAAACADAAAAAAAAAAAAAAEAAACgMgAAVgcAAKr4//8BAAAAf39/AAEAAABkAAAAAAAAABQAAABAHwAAAAAAACYAAAAAAAAAwOD//wAAAAAmAAAAZAAAABYAAABMAAAAAAAAAAAAAAAEAAAAAAAAAAEAAACAgIAKAAAAACgAAAAoAAAAZAAAAGQAAAAAAAAAzMzMAAAAAABQAAAAUAAAAGQAAABkAAAAAAAAABcAAAAUAAAAAAAAAAAAAAD/fwAA/38AAAAAAAAJAAAABAAAAFNQSU4MAAAAEAAAAAAAAAAAAAAAAAAAAAAAAAAeAAAAaAAAAAAAAAAAAAAAAAAAAAAAAAAAAAAAECcAABAnAAAAAAAAAAAAAAAAAAAAAAAAAAAAAAAAAAAAAAAAAAAAABQAAAAAAAAAwMD/AAAAAABkAAAAMgAAAAAAAABkAAAAAAAAAH9/fwAKAAAAHwAAAFQAAACzs7MA////AQAAAAAAAAAAAAAAAAAAAAAAAAAAAAAAAAAAAAAAAAAAAAAAAn9/fwCAgIADzMzMAMDA/wB/f38AAAAAAAAAAAAAAAAAAAAAAAAAAAAhAAAAGAAAABQAAAB8GgAANxEAAHUeAAD7EgAAEAAAACYAAAAIAAAA//////////8="/>
               </a:ext>
             </a:extLst>
           </p:cNvSpPr>
@@ -4145,12 +4145,12 @@
         <p:spPr>
           <a:xfrm>
             <a:off x="4305300" y="2798445"/>
-            <a:ext cx="574040" cy="287020"/>
+            <a:ext cx="645795" cy="287020"/>
           </a:xfrm>
           <a:prstGeom prst="stripedRightArrow">
             <a:avLst>
               <a:gd name="adj1" fmla="val 50000"/>
-              <a:gd name="adj2" fmla="val 84375"/>
+              <a:gd name="adj2" fmla="val 94922"/>
             </a:avLst>
           </a:prstGeom>
           <a:solidFill>
@@ -5048,6 +5048,47 @@
       </a:clrScheme>
       <a:clrMap bg1="lt1" tx1="dk1" bg2="lt2" tx2="dk2" accent1="accent1" accent2="accent2" accent3="accent3" accent4="accent4" accent5="accent5" accent6="accent6" hlink="hlink" folHlink="folHlink"/>
     </a:extraClrScheme>
+    <a:extraClrScheme>
+      <a:clrScheme name="Presentation 16">
+        <a:dk1>
+          <a:srgbClr val="000000"/>
+        </a:dk1>
+        <a:lt1>
+          <a:srgbClr val="FFFFFF"/>
+        </a:lt1>
+        <a:dk2>
+          <a:srgbClr val="000000"/>
+        </a:dk2>
+        <a:lt2>
+          <a:srgbClr val="808080"/>
+        </a:lt2>
+        <a:accent1>
+          <a:srgbClr val="BBE0E3"/>
+        </a:accent1>
+        <a:accent2>
+          <a:srgbClr val="333399"/>
+        </a:accent2>
+        <a:accent3>
+          <a:srgbClr val="535379"/>
+        </a:accent3>
+        <a:accent4>
+          <a:srgbClr val="737359"/>
+        </a:accent4>
+        <a:accent5>
+          <a:srgbClr val="939339"/>
+        </a:accent5>
+        <a:accent6>
+          <a:srgbClr val="B3B319"/>
+        </a:accent6>
+        <a:hlink>
+          <a:srgbClr val="009999"/>
+        </a:hlink>
+        <a:folHlink>
+          <a:srgbClr val="99CC00"/>
+        </a:folHlink>
+      </a:clrScheme>
+      <a:clrMap bg1="lt1" tx1="dk1" bg2="lt2" tx2="dk2" accent1="accent1" accent2="accent2" accent3="accent3" accent4="accent4" accent5="accent5" accent6="accent6" hlink="hlink" folHlink="folHlink"/>
+    </a:extraClrScheme>
   </a:extraClrSchemeLst>
 </a:theme>
 </file>
--- a/images/WebFig.pptx
+++ b/images/WebFig.pptx
@@ -9,6 +9,7 @@
     <p:sldId id="257" r:id="rId7"/>
     <p:sldId id="258" r:id="rId8"/>
     <p:sldId id="259" r:id="rId9"/>
+    <p:sldId id="260" r:id="rId10"/>
   </p:sldIdLst>
   <p:sldSz cx="9144000" cy="6858000"/>
   <p:notesSz cx="6858000" cy="9144000"/>
@@ -239,7 +240,7 @@
             <a:spLocks noGrp="1" noChangeArrowheads="1"/>
             <a:extLst>
               <a:ext uri="smNativeData">
-                <pr:smNativeData xmlns:pr="smNativeData" val="SMDATA_13_Na6sYxMAAAAlAAAAZAAAAA8BAAAAkAAAAEgAAACQAAAASAAAAAAAAAABAAAAAAAAAAEAAABQAAAAAAAAAAAA4D8AAAAAAADgPwAAAAAAAOA/AAAAAAAA4D8AAAAAAADgPwAAAAAAAOA/AAAAAAAA4D8AAAAAAADgPwAAAAAAAOA/AAAAAAAA4D8CAAAAjAAAAAAAAAAAAAAAu+DjDP///wgAAAAAAAAAAAAAAAAAAAAAAAAAAAAAAAAAAAAAZAAAAAEAAABAAAAAAAAAAAAAAAAAAAAAAAAAAAAAAAAAAAAAAAAAAAAAAAAAAAAAAAAAAAAAAAAAAAAAAAAAAAAAAAAAAAAAAAAAAAAAAAAAAAAAAAAAAAAAAAAAAAAAFAAAADwAAAAAAAAAAAAAAAAAAAkUAAAAAQAAABQAAAAUAAAAFAAAAAEAAAAAAAAAZAAAAGQAAAAAAAAAZAAAAGQAAAAVAAAAYAAAAAAAAAAAAAAADwAAACADAAAAAAAAAAAAAAEAAACgMgAAVgcAAKr4//8BAAAAf39/AAEAAABkAAAAAAAAABQAAABAHwAAAAAAACYAAAAAAAAAwOD//wAAAAAmAAAAZAAAABYAAABMAAAAAAAAAAAAAAAEAAAAAAAAAAEAAACAgIAKAAAAACgAAAAoAAAAZAAAAGQAAAAAAAAAzMzMAAAAAABQAAAAUAAAAGQAAABkAAAAAAAAABcAAAAUAAAAAAAAAAAAAAD/fwAA/38AAAAAAAAJAAAABAAAAAAAAAAMAAAAEAAAAAAAAAAAAAAAAAAAAAAAAAAeAAAAaAAAAAAAAAAAAAAAAAAAAAAAAAAAAAAAECcAABAnAAAAAAAAAAAAAAAAAAAAAAAAAAAAAAAAAAAAAAAAAAAAABQAAAAAAAAAwMD/AAAAAABkAAAAMgAAAAAAAABkAAAAAAAAAH9/fwAKAAAAHwAAAFQAAAAAAAAFAAAAAQAAAAAAAAAAAAAAAAAAAAAAAAAAAAAAAAAAAAAAAAAAAAAAAn9/fwAAAAADzMzMAMDA/wB/f38AAAAAAAAAAAAAAAAAAAAAAAAAAAAhAAAAGAAAABQAAAA4BAAAGg0AAAg0AAAmFgAAEAAAACYAAAAIAAAAAQAAAAAAAAA="/>
+                <pr:smNativeData xmlns:pr="smNativeData" val="SMDATA_13_8OOwYxMAAAAlAAAAZAAAAA8BAAAAkAAAAEgAAACQAAAASAAAAAAAAAABAAAAAAAAAAEAAABQAAAAAAAAAAAA4D8AAAAAAADgPwAAAAAAAOA/AAAAAAAA4D8AAAAAAADgPwAAAAAAAOA/AAAAAAAA4D8AAAAAAADgPwAAAAAAAOA/AAAAAAAA4D8CAAAAjAAAAAAAAAAAAAAAu+DjDP///wgAAAAAAAAAAAAAAAAAAAAAAAAAAAAAAAAAAAAAZAAAAAEAAABAAAAAAAAAAAAAAAAAAAAAAAAAAAAAAAAAAAAAAAAAAAAAAAAAAAAAAAAAAAAAAAAAAAAAAAAAAAAAAAAAAAAAAAAAAAAAAAAAAAAAAAAAAAAAAAAAAAAAFAAAADwAAAAAAAAAAAAAAAAAAAkUAAAAAQAAABQAAAAUAAAAFAAAAAEAAAAAAAAAZAAAAGQAAAAAAAAAZAAAAGQAAAAVAAAAYAAAAAAAAAAAAAAADwAAACADAAAAAAAAAAAAAAEAAACgMgAAVgcAAKr4//8BAAAAf39/AAEAAABkAAAAAAAAABQAAABAHwAAAAAAACYAAAAAAAAAwOD//wAAAAAmAAAAZAAAABYAAABMAAAAAAAAAAAAAAAEAAAAAAAAAAEAAACAgIAKAAAAACgAAAAoAAAAZAAAAGQAAAAAAAAAzMzMAAAAAABQAAAAUAAAAGQAAABkAAAAAAAAABcAAAAUAAAAAAAAAAAAAAD/fwAA/38AAAAAAAAJAAAABAAAAAAAAAAMAAAAEAAAAAAAAAAAAAAAAAAAAAAAAAAeAAAAaAAAAAAAAAAAAAAAAAAAAAAAAAAAAAAAECcAABAnAAAAAAAAAAAAAAAAAAAAAAAAAAAAAAAAAAAAAAAAAAAAABQAAAAAAAAAwMD/AAAAAABkAAAAMgAAAAAAAABkAAAAAAAAAH9/fwAKAAAAHwAAAFQAAAAAAAAFAAAAAQAAAAAAAAAAAAAAAAAAAAAAAAAAAAAAAAAAAAAAAAAAAAAAAn9/fwAAAAADzMzMAMDA/wB/f38AAAAAAAAAAAAAAAAAAAAAAAAAAAAhAAAAGAAAABQAAAA4BAAAGg0AAAg0AAAmFgAAEAAAACYAAAAIAAAAAQAAAAAAAAA="/>
               </a:ext>
             </a:extLst>
           </p:cNvSpPr>
@@ -271,7 +272,7 @@
             <a:spLocks noGrp="1" noChangeArrowheads="1"/>
             <a:extLst>
               <a:ext uri="smNativeData">
-                <pr:smNativeData xmlns:pr="smNativeData" val="SMDATA_13_Na6sYxMAAAAlAAAAZAAAAA8BAAAAkAAAAEgAAACQAAAASAAAAAAAAAAAAAAAAAAAAAEAAABQAAAAAAAAAAAA4D8AAAAAAADgPwAAAAAAAOA/AAAAAAAA4D8AAAAAAADgPwAAAAAAAOA/AAAAAAAA4D8AAAAAAADgPwAAAAAAAOA/AAAAAAAA4D8CAAAAjAAAAAAAAAAAAAAAu+DjDP///wgAAAAAAAAAAAAAAAAAAAAAAAAAAAAAAAAAAAAAZAAAAAEAAABAAAAAAAAAAAAAAAAAAAAAAAAAAAAAAAAAAAAAAAAAAAAAAAAAAAAAAAAAAAAAAAAAAAAAAAAAAAAAAAAAAAAAAAAAAAAAAAAAAAAAAAAAAAAAAAAAAAAAFAAAADwAAAAAAAAAAAAAAAAAAAkUAAAAAQAAABQAAAAUAAAAFAAAAAEAAAAAAAAAZAAAAGQAAAAAAAAAZAAAAGQAAAAVAAAAYAAAAAAAAAAAAAAADwAAACADAAAAAAAAAAAAAAEAAACgMgAAVgcAAKr4//8BAAAAf39/AAEAAABkAAAAAAAAABQAAABAHwAAAAAAACYAAAAAAAAAwOD//wAAAAAmAAAAZAAAABYAAABMAAAAAAAAAAAAAAAEAAAAAAAAAAEAAACAgIAKAAAAACgAAAAoAAAAZAAAAGQAAAAAAAAAzMzMAAAAAABQAAAAUAAAAGQAAABkAAAAAAAAABcAAAAUAAAAAAAAAAAAAAD/fwAA/38AAAAAAAAJAAAABAAAAAAAAAAMAAAAEAAAAAAAAAAAAAAAAAAAAAAAAAAeAAAAaAAAAAAAAAAAAAAAAAAAAAAAAAAAAAAAECcAABAnAAAAAAAAAAAAAAAAAAAAAAAAAAAAAAAAAAAAAAAAAAAAABQAAAAAAAAAwMD/AAAAAABkAAAAMgAAAAAAAABkAAAAAAAAAH9/fwAKAAAAHwAAAFQAAAAAAAAFAAAAAQAAAAAAAAAAAAAAAAAAAAAAAAAAAAAAAAAAAAAAAAAAAAAAAn9/fwAAAAADzMzMAMDA/wB/f38AAAAAAAAAAAAAAAAAAAAAAAAAAAAhAAAAGAAAABQAAABwCAAA6BcAANAvAACwIgAAEAAAACYAAAAIAAAAAYAAAAAAAAA="/>
+                <pr:smNativeData xmlns:pr="smNativeData" val="SMDATA_13_8OOwYxMAAAAlAAAAZAAAAA8BAAAAkAAAAEgAAACQAAAASAAAAAAAAAAAAAAAAAAAAAEAAABQAAAAAAAAAAAA4D8AAAAAAADgPwAAAAAAAOA/AAAAAAAA4D8AAAAAAADgPwAAAAAAAOA/AAAAAAAA4D8AAAAAAADgPwAAAAAAAOA/AAAAAAAA4D8CAAAAjAAAAAAAAAAAAAAAu+DjDP///wgAAAAAAAAAAAAAAAAAAAAAAAAAAAAAAAAAAAAAZAAAAAEAAABAAAAAAAAAAAAAAAAAAAAAAAAAAAAAAAAAAAAAAAAAAAAAAAAAAAAAAAAAAAAAAAAAAAAAAAAAAAAAAAAAAAAAAAAAAAAAAAAAAAAAAAAAAAAAAAAAAAAAFAAAADwAAAAAAAAAAAAAAAAAAAkUAAAAAQAAABQAAAAUAAAAFAAAAAEAAAAAAAAAZAAAAGQAAAAAAAAAZAAAAGQAAAAVAAAAYAAAAAAAAAAAAAAADwAAACADAAAAAAAAAAAAAAEAAACgMgAAVgcAAKr4//8BAAAAf39/AAEAAABkAAAAAAAAABQAAABAHwAAAAAAACYAAAAAAAAAwOD//wAAAAAmAAAAZAAAABYAAABMAAAAAAAAAAAAAAAEAAAAAAAAAAEAAACAgIAKAAAAACgAAAAoAAAAZAAAAGQAAAAAAAAAzMzMAAAAAABQAAAAUAAAAGQAAABkAAAAAAAAABcAAAAUAAAAAAAAAAAAAAD/fwAA/38AAAAAAAAJAAAABAAAAAAAAAAMAAAAEAAAAAAAAAAAAAAAAAAAAAAAAAAeAAAAaAAAAAAAAAAAAAAAAAAAAAAAAAAAAAAAECcAABAnAAAAAAAAAAAAAAAAAAAAAAAAAAAAAAAAAAAAAAAAAAAAABQAAAAAAAAAwMD/AAAAAABkAAAAMgAAAAAAAABkAAAAAAAAAH9/fwAKAAAAHwAAAFQAAAAAAAAFAAAAAQAAAAAAAAAAAAAAAAAAAAAAAAAAAAAAAAAAAAAAAAAAAAAAAn9/fwAAAAADzMzMAMDA/wB/f38AAAAAAAAAAAAAAAAAAAAAAAAAAAAhAAAAGAAAABQAAABwCAAA6BcAANAvAACwIgAAEAAAACYAAAAIAAAAAYAAAAAAAAA="/>
               </a:ext>
             </a:extLst>
           </p:cNvSpPr>
@@ -331,7 +332,7 @@
             <a:spLocks noGrp="1" noChangeArrowheads="1"/>
             <a:extLst>
               <a:ext uri="smNativeData">
-                <pr:smNativeData xmlns:pr="smNativeData" val="SMDATA_13_Na6sYxMAAAAlAAAAZAAAAA8BAAAAkAAAAEgAAACQAAAASAAAAAAAAAABAAAAAAAAAAEAAABQAAAAAAAAAAAA4D8AAAAAAADgPwAAAAAAAOA/AAAAAAAA4D8AAAAAAADgPwAAAAAAAOA/AAAAAAAA4D8AAAAAAADgPwAAAAAAAOA/AAAAAAAA4D8CAAAAjAAAAAAAAAAAAAAAu+DjDP///wgAAAAAAAAAAAAAAAAAAAAAAAAAAAAAAAAAAAAAZAAAAAEAAABAAAAAAAAAAAAAAAAAAAAAAAAAAAAAAAAAAAAAAAAAAAAAAAAAAAAAAAAAAAAAAAAAAAAAAAAAAAAAAAAAAAAAAAAAAAAAAAAAAAAAAAAAAAAAAAAAAAAAFAAAADwAAAAAAAAAAAAAAAAAAAkUAAAAAQAAABQAAAAUAAAAFAAAAAEAAAAAAAAAZAAAAGQAAAAAAAAAZAAAAGQAAAAVAAAAYAAAAAAAAAAAAAAADwAAACADAAAAAAAAAAAAAAEAAACgMgAAVgcAAKr4//8BAAAAf39/AAEAAABkAAAAAAAAABQAAABAHwAAAAAAACYAAAAAAAAAwOD//wAAAAAmAAAAZAAAABYAAABMAAAAAAAAAAAAAAAEAAAAAAAAAAEAAACAgIAKAAAAACgAAAAoAAAAZAAAAGQAAAAAAAAAzMzMAAAAAABQAAAAUAAAAGQAAABkAAAAAAAAABcAAAAUAAAAAAAAAAAAAAD/fwAA/38AAAAAAAAJAAAABAAAAAAAAAAMAAAAEAAAAAAAAAAAAAAAAAAAAAAAAAAeAAAAaAAAAAAAAAAAAAAAAAAAAAAAAAAAAAAAECcAABAnAAAAAAAAAAAAAAAAAAAAAAAAAAAAAAAAAAAAAAAAAAAAABQAAAAAAAAAwMD/AAAAAABkAAAAMgAAAAAAAABkAAAAAAAAAH9/fwAKAAAAHwAAAFQAAAAAAAAFAAAAAQAAAAAAAAAAAAAAAAAAAAAAAAAAAAAAAAAAAAAAAAAAAAAAAn9/fwAAAAADzMzMAMDA/wB/f38AAAAAAAAAAAAAAAAAAAAAAAAAAAAhAAAAGAAAABQAAADQAgAAGycAAPAPAABZKQAAEAAAACYAAAAIAAAAAAAAAAAAAAA="/>
+                <pr:smNativeData xmlns:pr="smNativeData" val="SMDATA_13_8OOwYxMAAAAlAAAAZAAAAA8BAAAAkAAAAEgAAACQAAAASAAAAAAAAAABAAAAAAAAAAEAAABQAAAAAAAAAAAA4D8AAAAAAADgPwAAAAAAAOA/AAAAAAAA4D8AAAAAAADgPwAAAAAAAOA/AAAAAAAA4D8AAAAAAADgPwAAAAAAAOA/AAAAAAAA4D8CAAAAjAAAAAAAAAAAAAAAu+DjDP///wgAAAAAAAAAAAAAAAAAAAAAAAAAAAAAAAAAAAAAZAAAAAEAAABAAAAAAAAAAAAAAAAAAAAAAAAAAAAAAAAAAAAAAAAAAAAAAAAAAAAAAAAAAAAAAAAAAAAAAAAAAAAAAAAAAAAAAAAAAAAAAAAAAAAAAAAAAAAAAAAAAAAAFAAAADwAAAAAAAAAAAAAAAAAAAkUAAAAAQAAABQAAAAUAAAAFAAAAAEAAAAAAAAAZAAAAGQAAAAAAAAAZAAAAGQAAAAVAAAAYAAAAAAAAAAAAAAADwAAACADAAAAAAAAAAAAAAEAAACgMgAAVgcAAKr4//8BAAAAf39/AAEAAABkAAAAAAAAABQAAABAHwAAAAAAACYAAAAAAAAAwOD//wAAAAAmAAAAZAAAABYAAABMAAAAAAAAAAAAAAAEAAAAAAAAAAEAAACAgIAKAAAAACgAAAAoAAAAZAAAAGQAAAAAAAAAzMzMAAAAAABQAAAAUAAAAGQAAABkAAAAAAAAABcAAAAUAAAAAAAAAAAAAAD/fwAA/38AAAAAAAAJAAAABAAAAAAAAAAMAAAAEAAAAAAAAAAAAAAAAAAAAAAAAAAeAAAAaAAAAAAAAAAAAAAAAAAAAAAAAAAAAAAAECcAABAnAAAAAAAAAAAAAAAAAAAAAAAAAAAAAAAAAAAAAAAAAAAAABQAAAAAAAAAwMD/AAAAAABkAAAAMgAAAAAAAABkAAAAAAAAAH9/fwAKAAAAHwAAAFQAAAAAAAAFAAAAAQAAAAAAAAAAAAAAAAAAAAAAAAAAAAAAAAAAAAAAAAAAAAAAAn9/fwAAAAADzMzMAMDA/wB/f38AAAAAAAAAAAAAAAAAAAAAAAAAAAAhAAAAGAAAABQAAADQAgAAGycAAPAPAABZKQAAEAAAACYAAAAIAAAAAAAAAAAAAAA="/>
               </a:ext>
             </a:extLst>
           </p:cNvSpPr>
@@ -345,7 +346,7 @@
           <a:lstStyle/>
           <a:p>
             <a:pPr/>
-            <a:fld id="{1CB52B70-3EF1-E0DD-BF0D-C8886543499D}" type="datetime1">
+            <a:fld id="{0B3B1BAD-E3E6-6EED-A883-15B855CD5E40}" type="datetime1">
               <a:t/>
             </a:fld>
           </a:p>
@@ -358,7 +359,7 @@
             <a:spLocks noGrp="1" noChangeArrowheads="1"/>
             <a:extLst>
               <a:ext uri="smNativeData">
-                <pr:smNativeData xmlns:pr="smNativeData" val="SMDATA_13_Na6sYxMAAAAlAAAAZAAAAA8BAAAAkAAAAEgAAACQAAAASAAAAAAAAAABAAAAAAAAAAEAAABQAAAAAAAAAAAA4D8AAAAAAADgPwAAAAAAAOA/AAAAAAAA4D8AAAAAAADgPwAAAAAAAOA/AAAAAAAA4D8AAAAAAADgPwAAAAAAAOA/AAAAAAAA4D8CAAAAjAAAAAAAAAAAAAAAu+DjDP///wgAAAAAAAAAAAAAAAAAAAAAAAAAAAAAAAAAAAAAZAAAAAEAAABAAAAAAAAAAAAAAAAAAAAAAAAAAAAAAAAAAAAAAAAAAAAAAAAAAAAAAAAAAAAAAAAAAAAAAAAAAAAAAAAAAAAAAAAAAAAAAAAAAAAAAAAAAAAAAAAAAAAAFAAAADwAAAAAAAAAAAAAAAAAAAkUAAAAAQAAABQAAAAUAAAAFAAAAAEAAAAAAAAAZAAAAGQAAAAAAAAAZAAAAGQAAAAVAAAAYAAAAAAAAAAAAAAADwAAACADAAAAAAAAAAAAAAEAAACgMgAAVgcAAKr4//8BAAAAf39/AAEAAABkAAAAAAAAABQAAABAHwAAAAAAACYAAAAAAAAAwOD//wAAAAAmAAAAZAAAABYAAABMAAAAAAAAAAAAAAAEAAAAAAAAAAEAAACAgIAKAAAAACgAAAAoAAAAZAAAAGQAAAAAAAAAzMzMAAAAAABQAAAAUAAAAGQAAABkAAAAAAAAABcAAAAUAAAAAAAAAAAAAAD/fwAA/38AAAAAAAAJAAAABAAAAElJSf8MAAAAEAAAAAAAAAAAAAAAAAAAAAAAAAAeAAAAaAAAAAAAAAAAAAAAAAAAAAAAAAAAAAAAECcAABAnAAAAAAAAAAAAAAAAAAAAAAAAAAAAAAAAAAAAAAAAAAAAABQAAAAAAAAAwMD/AAAAAABkAAAAMgAAAAAAAABkAAAAAAAAAH9/fwAKAAAAHwAAAFQAAAAAAAAFAAAAAQAAAAAAAAAAAAAAAAAAAAAAAAAAAAAAAAAAAAAAAAAAAAAAAn9/fwAAAAADzMzMAMDA/wB/f38AAAAAAAAAAAAAAAAAAAAAAAAAAAAhAAAAGAAAABQAAAA4EwAAGycAAAglAABZKQAAEAAAACYAAAAIAAAAAAAAAAAAAAA="/>
+                <pr:smNativeData xmlns:pr="smNativeData" val="SMDATA_13_8OOwYxMAAAAlAAAAZAAAAA8BAAAAkAAAAEgAAACQAAAASAAAAAAAAAABAAAAAAAAAAEAAABQAAAAAAAAAAAA4D8AAAAAAADgPwAAAAAAAOA/AAAAAAAA4D8AAAAAAADgPwAAAAAAAOA/AAAAAAAA4D8AAAAAAADgPwAAAAAAAOA/AAAAAAAA4D8CAAAAjAAAAAAAAAAAAAAAu+DjDP///wgAAAAAAAAAAAAAAAAAAAAAAAAAAAAAAAAAAAAAZAAAAAEAAABAAAAAAAAAAAAAAAAAAAAAAAAAAAAAAAAAAAAAAAAAAAAAAAAAAAAAAAAAAAAAAAAAAAAAAAAAAAAAAAAAAAAAAAAAAAAAAAAAAAAAAAAAAAAAAAAAAAAAFAAAADwAAAAAAAAAAAAAAAAAAAkUAAAAAQAAABQAAAAUAAAAFAAAAAEAAAAAAAAAZAAAAGQAAAAAAAAAZAAAAGQAAAAVAAAAYAAAAAAAAAAAAAAADwAAACADAAAAAAAAAAAAAAEAAACgMgAAVgcAAKr4//8BAAAAf39/AAEAAABkAAAAAAAAABQAAABAHwAAAAAAACYAAAAAAAAAwOD//wAAAAAmAAAAZAAAABYAAABMAAAAAAAAAAAAAAAEAAAAAAAAAAEAAACAgIAKAAAAACgAAAAoAAAAZAAAAGQAAAAAAAAAzMzMAAAAAABQAAAAUAAAAGQAAABkAAAAAAAAABcAAAAUAAAAAAAAAAAAAAD/fwAA/38AAAAAAAAJAAAABAAAAElJSf8MAAAAEAAAAAAAAAAAAAAAAAAAAAAAAAAeAAAAaAAAAAAAAAAAAAAAAAAAAAAAAAAAAAAAECcAABAnAAAAAAAAAAAAAAAAAAAAAAAAAAAAAAAAAAAAAAAAAAAAABQAAAAAAAAAwMD/AAAAAABkAAAAMgAAAAAAAABkAAAAAAAAAH9/fwAKAAAAHwAAAFQAAAAAAAAFAAAAAQAAAAAAAAAAAAAAAAAAAAAAAAAAAAAAAAAAAAAAAAAAAAAAAn9/fwAAAAADzMzMAMDA/wB/f38AAAAAAAAAAAAAAAAAAAAAAAAAAAAhAAAAGAAAABQAAAA4EwAAGycAAAglAABZKQAAEAAAACYAAAAIAAAAAAAAAAAAAAA="/>
               </a:ext>
             </a:extLst>
           </p:cNvSpPr>
@@ -382,7 +383,7 @@
             <a:spLocks noGrp="1" noChangeArrowheads="1"/>
             <a:extLst>
               <a:ext uri="smNativeData">
-                <pr:smNativeData xmlns:pr="smNativeData" val="SMDATA_13_Na6sYxMAAAAlAAAAZAAAAA8BAAAAkAAAAEgAAACQAAAASAAAAAAAAAABAAAAAAAAAAEAAABQAAAAAAAAAAAA4D8AAAAAAADgPwAAAAAAAOA/AAAAAAAA4D8AAAAAAADgPwAAAAAAAOA/AAAAAAAA4D8AAAAAAADgPwAAAAAAAOA/AAAAAAAA4D8CAAAAjAAAAAAAAAAAAAAAu+DjDP///wgAAAAAAAAAAAAAAAAAAAAAAAAAAAAAAAAAAAAAZAAAAAEAAABAAAAAAAAAAAAAAAAAAAAAAAAAAAAAAAAAAAAAAAAAAAAAAAAAAAAAAAAAAAAAAAAAAAAAAAAAAAAAAAAAAAAAAAAAAAAAAAAAAAAAAAAAAAAAAAAAAAAAFAAAADwAAAAAAAAAAAAAAAAAAAkUAAAAAQAAABQAAAAUAAAAFAAAAAEAAAAAAAAAZAAAAGQAAAAAAAAAZAAAAGQAAAAVAAAAYAAAAAAAAAAAAAAADwAAACADAAAAAAAAAAAAAAEAAACgMgAAVgcAAKr4//8BAAAAf39/AAEAAABkAAAAAAAAABQAAABAHwAAAAAAACYAAAAAAAAAwOD//wAAAAAmAAAAZAAAABYAAABMAAAAAAAAAAAAAAAEAAAAAAAAAAEAAACAgIAKAAAAACgAAAAoAAAAZAAAAGQAAAAAAAAAzMzMAAAAAABQAAAAUAAAAGQAAABkAAAAAAAAABcAAAAUAAAAAAAAAAAAAAD/fwAA/38AAAAAAAAJAAAABAAAAAAAAAAMAAAAEAAAAAAAAAAAAAAAAAAAAAAAAAAeAAAAaAAAAAAAAAAAAAAAAAAAAAAAAAAAAAAAECcAABAnAAAAAAAAAAAAAAAAAAAAAAAAAAAAAAAAAAAAAAAAAAAAABQAAAAAAAAAwMD/AAAAAABkAAAAMgAAAAAAAABkAAAAAAAAAH9/fwAKAAAAHwAAAFQAAAAAAAAFAAAAAQAAAAAAAAAAAAAAAAAAAAAAAAAAAAAAAAAAAAAAAAAAAAAAAn9/fwAAAAADzMzMAMDA/wB/f38AAAAAAAAAAAAAAAAAAAAAAAAAAAAhAAAAGAAAABQAAABQKAAAGycAAHA1AABZKQAAEAAAACYAAAAIAAAAAAAAAAAAAAA="/>
+                <pr:smNativeData xmlns:pr="smNativeData" val="SMDATA_13_8OOwYxMAAAAlAAAAZAAAAA8BAAAAkAAAAEgAAACQAAAASAAAAAAAAAABAAAAAAAAAAEAAABQAAAAAAAAAAAA4D8AAAAAAADgPwAAAAAAAOA/AAAAAAAA4D8AAAAAAADgPwAAAAAAAOA/AAAAAAAA4D8AAAAAAADgPwAAAAAAAOA/AAAAAAAA4D8CAAAAjAAAAAAAAAAAAAAAu+DjDP///wgAAAAAAAAAAAAAAAAAAAAAAAAAAAAAAAAAAAAAZAAAAAEAAABAAAAAAAAAAAAAAAAAAAAAAAAAAAAAAAAAAAAAAAAAAAAAAAAAAAAAAAAAAAAAAAAAAAAAAAAAAAAAAAAAAAAAAAAAAAAAAAAAAAAAAAAAAAAAAAAAAAAAFAAAADwAAAAAAAAAAAAAAAAAAAkUAAAAAQAAABQAAAAUAAAAFAAAAAEAAAAAAAAAZAAAAGQAAAAAAAAAZAAAAGQAAAAVAAAAYAAAAAAAAAAAAAAADwAAACADAAAAAAAAAAAAAAEAAACgMgAAVgcAAKr4//8BAAAAf39/AAEAAABkAAAAAAAAABQAAABAHwAAAAAAACYAAAAAAAAAwOD//wAAAAAmAAAAZAAAABYAAABMAAAAAAAAAAAAAAAEAAAAAAAAAAEAAACAgIAKAAAAACgAAAAoAAAAZAAAAGQAAAAAAAAAzMzMAAAAAABQAAAAUAAAAGQAAABkAAAAAAAAABcAAAAUAAAAAAAAAAAAAAD/fwAA/38AAAAAAAAJAAAABAAAAAAAAAAMAAAAEAAAAAAAAAAAAAAAAAAAAAAAAAAeAAAAaAAAAAAAAAAAAAAAAAAAAAAAAAAAAAAAECcAABAnAAAAAAAAAAAAAAAAAAAAAAAAAAAAAAAAAAAAAAAAAAAAABQAAAAAAAAAwMD/AAAAAABkAAAAMgAAAAAAAABkAAAAAAAAAH9/fwAKAAAAHwAAAFQAAAAAAAAFAAAAAQAAAAAAAAAAAAAAAAAAAAAAAAAAAAAAAAAAAAAAAAAAAAAAAn9/fwAAAAADzMzMAMDA/wB/f38AAAAAAAAAAAAAAAAAAAAAAAAAAAAhAAAAGAAAABQAAABQKAAAGycAAHA1AABZKQAAEAAAACYAAAAIAAAAAAAAAAAAAAA="/>
               </a:ext>
             </a:extLst>
           </p:cNvSpPr>
@@ -396,7 +397,7 @@
           <a:lstStyle/>
           <a:p>
             <a:pPr/>
-            <a:fld id="{1CB51F9A-D4F1-E0E9-BF0D-22BC51434977}" type="slidenum">
+            <a:fld id="{0B3B57AD-E3E6-6EA1-A883-15F419CD5E40}" type="slidenum">
               <a:t/>
             </a:fld>
           </a:p>
@@ -434,7 +435,7 @@
             <a:spLocks noGrp="1" noChangeArrowheads="1"/>
             <a:extLst>
               <a:ext uri="smNativeData">
-                <pr:smNativeData xmlns:pr="smNativeData" val="SMDATA_13_Na6sYxMAAAAlAAAAZAAAAA8BAAAAkAAAAEgAAACQAAAASAAAAAAAAAABAAAAAAAAAAEAAABQAAAAAAAAAAAA4D8AAAAAAADgPwAAAAAAAOA/AAAAAAAA4D8AAAAAAADgPwAAAAAAAOA/AAAAAAAA4D8AAAAAAADgPwAAAAAAAOA/AAAAAAAA4D8CAAAAjAAAAAAAAAAAAAAAu+DjDP///wgAAAAAAAAAAAAAAAAAAAAAAAAAAAAAAAAAAAAAZAAAAAEAAABAAAAAAAAAAAAAAAAAAAAAAAAAAAAAAAAAAAAAAAAAAAAAAAAAAAAAAAAAAAAAAAAAAAAAAAAAAAAAAAAAAAAAAAAAAAAAAAAAAAAAAAAAAAAAAAAAAAAAFAAAADwAAAAAAAAAAAAAAAAAAAkUAAAAAQAAABQAAAAUAAAAFAAAAAEAAAAAAAAAZAAAAGQAAAAAAAAAZAAAAGQAAAAVAAAAYAAAAAAAAAAAAAAADwAAACADAAAAAAAAAAAAAAEAAACgMgAAVgcAAKr4//8BAAAAf39/AAEAAABkAAAAAAAAABQAAABAHwAAAAAAACYAAAAAAAAAwOD//wAAAAAmAAAAZAAAABYAAABMAAAAAAAAAAAAAAAEAAAAAAAAAAEAAACAgIAKAAAAACgAAAAoAAAAZAAAAGQAAAAAAAAAzMzMAAAAAABQAAAAUAAAAGQAAABkAAAAAAAAABcAAAAUAAAAAAAAAAAAAAD/fwAA/38AAAAAAAAJAAAABAAAAAAAAAAMAAAAEAAAAAAAAAAAAAAAAAAAAAAAAAAeAAAAaAAAAAAAAAAAAAAAAAAAAAAAAAAAAAAAECcAABAnAAAAAAAAAAAAAAAAAAAAAAAAAAAAAAAAAAAAAAAAAAAAABQAAAAAAAAAwMD/AAAAAABkAAAAMgAAAAAAAABkAAAAAAAAAH9/fwAKAAAAHwAAAFQAAAAAAAAFAAAAAQAAAAAAAAAAAAAAAAAAAAAAAAAAAAAAAAAAAAAAAAAAAAAAAn9/fwAAAAADzMzMAMDA/wB/f38AAAAAAAAAAAAAAAAAAAAAAAAAAAAhAAAAGAAAABQAAADQAgAAsAEAAHA1AAC4CAAAEAAAACYAAAAIAAAAAAAAAAAAAAA="/>
+                <pr:smNativeData xmlns:pr="smNativeData" val="SMDATA_13_8OOwYxMAAAAlAAAAZAAAAA8BAAAAkAAAAEgAAACQAAAASAAAAAAAAAABAAAAAAAAAAEAAABQAAAAAAAAAAAA4D8AAAAAAADgPwAAAAAAAOA/AAAAAAAA4D8AAAAAAADgPwAAAAAAAOA/AAAAAAAA4D8AAAAAAADgPwAAAAAAAOA/AAAAAAAA4D8CAAAAjAAAAAAAAAAAAAAAu+DjDP///wgAAAAAAAAAAAAAAAAAAAAAAAAAAAAAAAAAAAAAZAAAAAEAAABAAAAAAAAAAAAAAAAAAAAAAAAAAAAAAAAAAAAAAAAAAAAAAAAAAAAAAAAAAAAAAAAAAAAAAAAAAAAAAAAAAAAAAAAAAAAAAAAAAAAAAAAAAAAAAAAAAAAAFAAAADwAAAAAAAAAAAAAAAAAAAkUAAAAAQAAABQAAAAUAAAAFAAAAAEAAAAAAAAAZAAAAGQAAAAAAAAAZAAAAGQAAAAVAAAAYAAAAAAAAAAAAAAADwAAACADAAAAAAAAAAAAAAEAAACgMgAAVgcAAKr4//8BAAAAf39/AAEAAABkAAAAAAAAABQAAABAHwAAAAAAACYAAAAAAAAAwOD//wAAAAAmAAAAZAAAABYAAABMAAAAAAAAAAAAAAAEAAAAAAAAAAEAAACAgIAKAAAAACgAAAAoAAAAZAAAAGQAAAAAAAAAzMzMAAAAAABQAAAAUAAAAGQAAABkAAAAAAAAABcAAAAUAAAAAAAAAAAAAAD/fwAA/38AAAAAAAAJAAAABAAAAAAAAAAMAAAAEAAAAAAAAAAAAAAAAAAAAAAAAAAeAAAAaAAAAAAAAAAAAAAAAAAAAAAAAAAAAAAAECcAABAnAAAAAAAAAAAAAAAAAAAAAAAAAAAAAAAAAAAAAAAAAAAAABQAAAAAAAAAwMD/AAAAAABkAAAAMgAAAAAAAABkAAAAAAAAAH9/fwAKAAAAHwAAAFQAAAAAAAAFAAAAAQAAAAAAAAAAAAAAAAAAAAAAAAAAAAAAAAAAAAAAAAAAAAAAAn9/fwAAAAADzMzMAMDA/wB/f38AAAAAAAAAAAAAAAAAAAAAAAAAAAAhAAAAGAAAABQAAADQAgAAsAEAAHA1AAC4CAAAEAAAACYAAAAIAAAAAAAAAAAAAAA="/>
               </a:ext>
             </a:extLst>
           </p:cNvSpPr>
@@ -461,7 +462,7 @@
             <a:spLocks noGrp="1" noChangeArrowheads="1"/>
             <a:extLst>
               <a:ext uri="smNativeData">
-                <pr:smNativeData xmlns:pr="smNativeData" val="SMDATA_13_Na6sYxMAAAAlAAAAZAAAAA8BAAAAkAAAAEgAAACQAAAASAAAAAAAAAAAAAAAAQAAAAEAAABQAAAAAAAAAAAA4D8AAAAAAADgPwAAAAAAAOA/AAAAAAAA4D8AAAAAAADgPwAAAAAAAOA/AAAAAAAA4D8AAAAAAADgPwAAAAAAAOA/AAAAAAAA4D8CAAAAjAAAAAAAAAAAAAAAu+DjDP///wgAAAAAAAAAAAAAAAAAAAAAAAAAAAAAAAAAAAAAZAAAAAEAAABAAAAAAAAAAAAAAAAAAAAAAAAAAAAAAAAAAAAAAAAAAAAAAAAAAAAAAAAAAAAAAAAAAAAAAAAAAAAAAAAAAAAAAAAAAAAAAAAAAAAAAAAAAAAAAAAAAAAAFAAAADwAAAAAAAAAAAAAAAAAAAkUAAAAAQAAABQAAAAUAAAAFAAAAAEAAAAAAAAAZAAAAGQAAAAAAAAAZAAAAGQAAAAVAAAAYAAAAAAAAAAAAAAADwAAACADAAAAAAAAAAAAAAEAAACgMgAAVgcAAKr4//8BAAAAf39/AAEAAABkAAAAAAAAABQAAABAHwAAAAAAACYAAAAAAAAAwOD//wAAAAAmAAAAZAAAABYAAABMAAAAAAAAAAAAAAAEAAAAAAAAAAEAAACAgIAKAAAAACgAAAAoAAAAZAAAAGQAAAAAAAAAzMzMAAAAAABQAAAAUAAAAGQAAABkAAAAAAAAABcAAAAUAAAAAAAAAAAAAAD/fwAA/38AAAAAAAAJAAAABAAAAAAAAAAMAAAAEAAAAAAAAAAAAAAAAAAAAAAAAAAeAAAAaAAAAAAAAAAAAAAAAAAAAAAAAAAAAAAAECcAABAnAAAAAAAAAAAAAAAAAAAAAAAAAAAAAAAAAAAAAAAAAAAAABQAAAAAAAAAwMD/AAAAAABkAAAAMgAAAAAAAABkAAAAAAAAAH9/fwAKAAAAHwAAAFQAAAAAAAAFAAAAAQAAAAAAAAAAAAAAAAAAAAAAAAAAAAAAAAAAAAAAAAAAAAAAAn9/fwAAAAADzMzMAMDA/wB/f38AAAAAAAAAAAAAAAAAAAAAAAAAAAAhAAAAGAAAABQAAADQAgAA2AkAAHA1AACwJQAAEAAAACYAAAAIAAAAAgAAAAAAAAA="/>
+                <pr:smNativeData xmlns:pr="smNativeData" val="SMDATA_13_8OOwYxMAAAAlAAAAZAAAAA8BAAAAkAAAAEgAAACQAAAASAAAAAAAAAAAAAAAAQAAAAEAAABQAAAAAAAAAAAA4D8AAAAAAADgPwAAAAAAAOA/AAAAAAAA4D8AAAAAAADgPwAAAAAAAOA/AAAAAAAA4D8AAAAAAADgPwAAAAAAAOA/AAAAAAAA4D8CAAAAjAAAAAAAAAAAAAAAu+DjDP///wgAAAAAAAAAAAAAAAAAAAAAAAAAAAAAAAAAAAAAZAAAAAEAAABAAAAAAAAAAAAAAAAAAAAAAAAAAAAAAAAAAAAAAAAAAAAAAAAAAAAAAAAAAAAAAAAAAAAAAAAAAAAAAAAAAAAAAAAAAAAAAAAAAAAAAAAAAAAAAAAAAAAAFAAAADwAAAAAAAAAAAAAAAAAAAkUAAAAAQAAABQAAAAUAAAAFAAAAAEAAAAAAAAAZAAAAGQAAAAAAAAAZAAAAGQAAAAVAAAAYAAAAAAAAAAAAAAADwAAACADAAAAAAAAAAAAAAEAAACgMgAAVgcAAKr4//8BAAAAf39/AAEAAABkAAAAAAAAABQAAABAHwAAAAAAACYAAAAAAAAAwOD//wAAAAAmAAAAZAAAABYAAABMAAAAAAAAAAAAAAAEAAAAAAAAAAEAAACAgIAKAAAAACgAAAAoAAAAZAAAAGQAAAAAAAAAzMzMAAAAAABQAAAAUAAAAGQAAABkAAAAAAAAABcAAAAUAAAAAAAAAAAAAAD/fwAA/38AAAAAAAAJAAAABAAAAAAAAAAMAAAAEAAAAAAAAAAAAAAAAAAAAAAAAAAeAAAAaAAAAAAAAAAAAAAAAAAAAAAAAAAAAAAAECcAABAnAAAAAAAAAAAAAAAAAAAAAAAAAAAAAAAAAAAAAAAAAAAAABQAAAAAAAAAwMD/AAAAAABkAAAAMgAAAAAAAABkAAAAAAAAAH9/fwAKAAAAHwAAAFQAAAAAAAAFAAAAAQAAAAAAAAAAAAAAAAAAAAAAAAAAAAAAAAAAAAAAAAAAAAAAAn9/fwAAAAADzMzMAMDA/wB/f38AAAAAAAAAAAAAAAAAAAAAAAAAAAAhAAAAGAAAABQAAADQAgAA2AkAAHA1AACwJQAAEAAAACYAAAAIAAAAAgAAAAAAAAA="/>
               </a:ext>
             </a:extLst>
           </p:cNvSpPr>
@@ -516,7 +517,7 @@
             <a:spLocks noGrp="1" noChangeArrowheads="1"/>
             <a:extLst>
               <a:ext uri="smNativeData">
-                <pr:smNativeData xmlns:pr="smNativeData" val="SMDATA_13_Na6sYxMAAAAlAAAAZAAAAA8BAAAAkAAAAEgAAACQAAAASAAAAAAAAAABAAAAAAAAAAEAAABQAAAAAAAAAAAA4D8AAAAAAADgPwAAAAAAAOA/AAAAAAAA4D8AAAAAAADgPwAAAAAAAOA/AAAAAAAA4D8AAAAAAADgPwAAAAAAAOA/AAAAAAAA4D8CAAAAjAAAAAAAAAAAAAAAu+DjDP///wgAAAAAAAAAAAAAAAAAAAAAAAAAAAAAAAAAAAAAZAAAAAEAAABAAAAAAAAAAAAAAAAAAAAAAAAAAAAAAAAAAAAAAAAAAAAAAAAAAAAAAAAAAAAAAAAAAAAAAAAAAAAAAAAAAAAAAAAAAAAAAAAAAAAAAAAAAAAAAAAAAAAAFAAAADwAAAAAAAAAAAAAAAAAAAkUAAAAAQAAABQAAAAUAAAAFAAAAAEAAAAAAAAAZAAAAGQAAAAAAAAAZAAAAGQAAAAVAAAAYAAAAAAAAAAAAAAADwAAACADAAAAAAAAAAAAAAEAAACgMgAAVgcAAKr4//8BAAAAf39/AAEAAABkAAAAAAAAABQAAABAHwAAAAAAACYAAAAAAAAAwOD//wAAAAAmAAAAZAAAABYAAABMAAAAAAAAAAAAAAAEAAAAAAAAAAEAAACAgIAKAAAAACgAAAAoAAAAZAAAAGQAAAAAAAAAzMzMAAAAAABQAAAAUAAAAGQAAABkAAAAAAAAABcAAAAUAAAAAAAAAAAAAAD/fwAA/38AAAAAAAAJAAAABAAAAAAAAAAMAAAAEAAAAAAAAAAAAAAAAAAAAAAAAAAeAAAAaAAAAAAAAAAAAAAAAAAAAAAAAAAAAAAAECcAABAnAAAAAAAAAAAAAAAAAAAAAAAAAAAAAAAAAAAAAAAAAAAAABQAAAAAAAAAwMD/AAAAAABkAAAAMgAAAAAAAABkAAAAAAAAAH9/fwAKAAAAHwAAAFQAAAAAAAAFAAAAAQAAAAAAAAAAAAAAAAAAAAAAAAAAAAAAAAAAAAAAAAAAAAAAAn9/fwAAAAADzMzMAMDA/wB/f38AAAAAAAAAAAAAAAAAAAAAAAAAAAAhAAAAGAAAABQAAADQAgAAGycAAPAPAABZKQAAEAAAACYAAAAIAAAAAAAAAAAAAAA="/>
+                <pr:smNativeData xmlns:pr="smNativeData" val="SMDATA_13_8OOwYxMAAAAlAAAAZAAAAA8BAAAAkAAAAEgAAACQAAAASAAAAAAAAAABAAAAAAAAAAEAAABQAAAAAAAAAAAA4D8AAAAAAADgPwAAAAAAAOA/AAAAAAAA4D8AAAAAAADgPwAAAAAAAOA/AAAAAAAA4D8AAAAAAADgPwAAAAAAAOA/AAAAAAAA4D8CAAAAjAAAAAAAAAAAAAAAu+DjDP///wgAAAAAAAAAAAAAAAAAAAAAAAAAAAAAAAAAAAAAZAAAAAEAAABAAAAAAAAAAAAAAAAAAAAAAAAAAAAAAAAAAAAAAAAAAAAAAAAAAAAAAAAAAAAAAAAAAAAAAAAAAAAAAAAAAAAAAAAAAAAAAAAAAAAAAAAAAAAAAAAAAAAAFAAAADwAAAAAAAAAAAAAAAAAAAkUAAAAAQAAABQAAAAUAAAAFAAAAAEAAAAAAAAAZAAAAGQAAAAAAAAAZAAAAGQAAAAVAAAAYAAAAAAAAAAAAAAADwAAACADAAAAAAAAAAAAAAEAAACgMgAAVgcAAKr4//8BAAAAf39/AAEAAABkAAAAAAAAABQAAABAHwAAAAAAACYAAAAAAAAAwOD//wAAAAAmAAAAZAAAABYAAABMAAAAAAAAAAAAAAAEAAAAAAAAAAEAAACAgIAKAAAAACgAAAAoAAAAZAAAAGQAAAAAAAAAzMzMAAAAAABQAAAAUAAAAGQAAABkAAAAAAAAABcAAAAUAAAAAAAAAAAAAAD/fwAA/38AAAAAAAAJAAAABAAAAAAAAAAMAAAAEAAAAAAAAAAAAAAAAAAAAAAAAAAeAAAAaAAAAAAAAAAAAAAAAAAAAAAAAAAAAAAAECcAABAnAAAAAAAAAAAAAAAAAAAAAAAAAAAAAAAAAAAAAAAAAAAAABQAAAAAAAAAwMD/AAAAAABkAAAAMgAAAAAAAABkAAAAAAAAAH9/fwAKAAAAHwAAAFQAAAAAAAAFAAAAAQAAAAAAAAAAAAAAAAAAAAAAAAAAAAAAAAAAAAAAAAAAAAAAAn9/fwAAAAADzMzMAMDA/wB/f38AAAAAAAAAAAAAAAAAAAAAAAAAAAAhAAAAGAAAABQAAADQAgAAGycAAPAPAABZKQAAEAAAACYAAAAIAAAAAAAAAAAAAAA="/>
               </a:ext>
             </a:extLst>
           </p:cNvSpPr>
@@ -530,7 +531,7 @@
           <a:lstStyle/>
           <a:p>
             <a:pPr/>
-            <a:fld id="{1CB50AA3-EDF1-E0FC-BF0D-1BA94443494E}" type="datetime1">
+            <a:fld id="{0B3B23F9-B7E6-6ED5-A883-41806DCD5E14}" type="datetime1">
               <a:t/>
             </a:fld>
           </a:p>
@@ -543,7 +544,7 @@
             <a:spLocks noGrp="1" noChangeArrowheads="1"/>
             <a:extLst>
               <a:ext uri="smNativeData">
-                <pr:smNativeData xmlns:pr="smNativeData" val="SMDATA_13_Na6sYxMAAAAlAAAAZAAAAA8BAAAAkAAAAEgAAACQAAAASAAAAAAAAAABAAAAAAAAAAEAAABQAAAAAAAAAAAA4D8AAAAAAADgPwAAAAAAAOA/AAAAAAAA4D8AAAAAAADgPwAAAAAAAOA/AAAAAAAA4D8AAAAAAADgPwAAAAAAAOA/AAAAAAAA4D8CAAAAjAAAAAAAAAAAAAAAu+DjDP///wgAAAAAAAAAAAAAAAAAAAAAAAAAAAAAAAAAAAAAZAAAAAEAAABAAAAAAAAAAAAAAAAAAAAAAAAAAAAAAAAAAAAAAAAAAAAAAAAAAAAAAAAAAAAAAAAAAAAAAAAAAAAAAAAAAAAAAAAAAAAAAAAAAAAAAAAAAAAAAAAAAAAAFAAAADwAAAAAAAAAAAAAAAAAAAkUAAAAAQAAABQAAAAUAAAAFAAAAAEAAAAAAAAAZAAAAGQAAAAAAAAAZAAAAGQAAAAVAAAAYAAAAAAAAAAAAAAADwAAACADAAAAAAAAAAAAAAEAAACgMgAAVgcAAKr4//8BAAAAf39/AAEAAABkAAAAAAAAABQAAABAHwAAAAAAACYAAAAAAAAAwOD//wAAAAAmAAAAZAAAABYAAABMAAAAAAAAAAAAAAAEAAAAAAAAAAEAAACAgIAKAAAAACgAAAAoAAAAZAAAAGQAAAAAAAAAzMzMAAAAAABQAAAAUAAAAGQAAABkAAAAAAAAABcAAAAUAAAAAAAAAAAAAAD/fwAA/38AAAAAAAAJAAAABAAAAAAAAAAMAAAAEAAAAAAAAAAAAAAAAAAAAAAAAAAeAAAAaAAAAAAAAAAAAAAAAAAAAAAAAAAAAAAAECcAABAnAAAAAAAAAAAAAAAAAAAAAAAAAAAAAAAAAAAAAAAAAAAAABQAAAAAAAAAwMD/AAAAAABkAAAAMgAAAAAAAABkAAAAAAAAAH9/fwAKAAAAHwAAAFQAAAAAAAAFAAAAAQAAAAAAAAAAAAAAAAAAAAAAAAAAAAAAAAAAAAAAAAAAAAAAAn9/fwAAAAADzMzMAMDA/wB/f38AAAAAAAAAAAAAAAAAAAAAAAAAAAAhAAAAGAAAABQAAAA4EwAAGycAAAglAABZKQAAEAAAACYAAAAIAAAAAAAAAAAAAAA="/>
+                <pr:smNativeData xmlns:pr="smNativeData" val="SMDATA_13_8OOwYxMAAAAlAAAAZAAAAA8BAAAAkAAAAEgAAACQAAAASAAAAAAAAAABAAAAAAAAAAEAAABQAAAAAAAAAAAA4D8AAAAAAADgPwAAAAAAAOA/AAAAAAAA4D8AAAAAAADgPwAAAAAAAOA/AAAAAAAA4D8AAAAAAADgPwAAAAAAAOA/AAAAAAAA4D8CAAAAjAAAAAAAAAAAAAAAu+DjDP///wgAAAAAAAAAAAAAAAAAAAAAAAAAAAAAAAAAAAAAZAAAAAEAAABAAAAAAAAAAAAAAAAAAAAAAAAAAAAAAAAAAAAAAAAAAAAAAAAAAAAAAAAAAAAAAAAAAAAAAAAAAAAAAAAAAAAAAAAAAAAAAAAAAAAAAAAAAAAAAAAAAAAAFAAAADwAAAAAAAAAAAAAAAAAAAkUAAAAAQAAABQAAAAUAAAAFAAAAAEAAAAAAAAAZAAAAGQAAAAAAAAAZAAAAGQAAAAVAAAAYAAAAAAAAAAAAAAADwAAACADAAAAAAAAAAAAAAEAAACgMgAAVgcAAKr4//8BAAAAf39/AAEAAABkAAAAAAAAABQAAABAHwAAAAAAACYAAAAAAAAAwOD//wAAAAAmAAAAZAAAABYAAABMAAAAAAAAAAAAAAAEAAAAAAAAAAEAAACAgIAKAAAAACgAAAAoAAAAZAAAAGQAAAAAAAAAzMzMAAAAAABQAAAAUAAAAGQAAABkAAAAAAAAABcAAAAUAAAAAAAAAAAAAAD/fwAA/38AAAAAAAAJAAAABAAAAAAAAAAMAAAAEAAAAAAAAAAAAAAAAAAAAAAAAAAeAAAAaAAAAAAAAAAAAAAAAAAAAAAAAAAAAAAAECcAABAnAAAAAAAAAAAAAAAAAAAAAAAAAAAAAAAAAAAAAAAAAAAAABQAAAAAAAAAwMD/AAAAAABkAAAAMgAAAAAAAABkAAAAAAAAAH9/fwAKAAAAHwAAAFQAAAAAAAAFAAAAAQAAAAAAAAAAAAAAAAAAAAAAAAAAAAAAAAAAAAAAAAAAAAAAAn9/fwAAAAADzMzMAMDA/wB/f38AAAAAAAAAAAAAAAAAAAAAAAAAAAAhAAAAGAAAABQAAAA4EwAAGycAAAglAABZKQAAEAAAACYAAAAIAAAAAAAAAAAAAAA="/>
               </a:ext>
             </a:extLst>
           </p:cNvSpPr>
@@ -567,7 +568,7 @@
             <a:spLocks noGrp="1" noChangeArrowheads="1"/>
             <a:extLst>
               <a:ext uri="smNativeData">
-                <pr:smNativeData xmlns:pr="smNativeData" val="SMDATA_13_Na6sYxMAAAAlAAAAZAAAAA8BAAAAkAAAAEgAAACQAAAASAAAAAAAAAABAAAAAAAAAAEAAABQAAAAAAAAAAAA4D8AAAAAAADgPwAAAAAAAOA/AAAAAAAA4D8AAAAAAADgPwAAAAAAAOA/AAAAAAAA4D8AAAAAAADgPwAAAAAAAOA/AAAAAAAA4D8CAAAAjAAAAAAAAAAAAAAAu+DjDP///wgAAAAAAAAAAAAAAAAAAAAAAAAAAAAAAAAAAAAAZAAAAAEAAABAAAAAAAAAAAAAAAAAAAAAAAAAAAAAAAAAAAAAAAAAAAAAAAAAAAAAAAAAAAAAAAAAAAAAAAAAAAAAAAAAAAAAAAAAAAAAAAAAAAAAAAAAAAAAAAAAAAAAFAAAADwAAAAAAAAAAAAAAAAAAAkUAAAAAQAAABQAAAAUAAAAFAAAAAEAAAAAAAAAZAAAAGQAAAAAAAAAZAAAAGQAAAAVAAAAYAAAAAAAAAAAAAAADwAAACADAAAAAAAAAAAAAAEAAACgMgAAVgcAAKr4//8BAAAAf39/AAEAAABkAAAAAAAAABQAAABAHwAAAAAAACYAAAAAAAAAwOD//wAAAAAmAAAAZAAAABYAAABMAAAAAAAAAAAAAAAEAAAAAAAAAAEAAACAgIAKAAAAACgAAAAoAAAAZAAAAGQAAAAAAAAAzMzMAAAAAABQAAAAUAAAAGQAAABkAAAAAAAAABcAAAAUAAAAAAAAAAAAAAD/fwAA/38AAAAAAAAJAAAABAAAAAAAAAAMAAAAEAAAAAAAAAAAAAAAAAAAAAAAAAAeAAAAaAAAAAAAAAAAAAAAAAAAAAAAAAAAAAAAECcAABAnAAAAAAAAAAAAAAAAAAAAAAAAAAAAAAAAAAAAAAAAAAAAABQAAAAAAAAAwMD/AAAAAABkAAAAMgAAAAAAAABkAAAAAAAAAH9/fwAKAAAAHwAAAFQAAAAAAAAFAAAAAQAAAAAAAAAAAAAAAAAAAAAAAAAAAAAAAAAAAAAAAAAAAAAAAn9/fwAAAAADzMzMAMDA/wB/f38AAAAAAAAAAAAAAAAAAAAAAAAAAAAhAAAAGAAAABQAAABQKAAAGycAAHA1AABZKQAAEAAAACYAAAAIAAAAAAAAAAAAAAA="/>
+                <pr:smNativeData xmlns:pr="smNativeData" val="SMDATA_13_8OOwYxMAAAAlAAAAZAAAAA8BAAAAkAAAAEgAAACQAAAASAAAAAAAAAABAAAAAAAAAAEAAABQAAAAAAAAAAAA4D8AAAAAAADgPwAAAAAAAOA/AAAAAAAA4D8AAAAAAADgPwAAAAAAAOA/AAAAAAAA4D8AAAAAAADgPwAAAAAAAOA/AAAAAAAA4D8CAAAAjAAAAAAAAAAAAAAAu+DjDP///wgAAAAAAAAAAAAAAAAAAAAAAAAAAAAAAAAAAAAAZAAAAAEAAABAAAAAAAAAAAAAAAAAAAAAAAAAAAAAAAAAAAAAAAAAAAAAAAAAAAAAAAAAAAAAAAAAAAAAAAAAAAAAAAAAAAAAAAAAAAAAAAAAAAAAAAAAAAAAAAAAAAAAFAAAADwAAAAAAAAAAAAAAAAAAAkUAAAAAQAAABQAAAAUAAAAFAAAAAEAAAAAAAAAZAAAAGQAAAAAAAAAZAAAAGQAAAAVAAAAYAAAAAAAAAAAAAAADwAAACADAAAAAAAAAAAAAAEAAACgMgAAVgcAAKr4//8BAAAAf39/AAEAAABkAAAAAAAAABQAAABAHwAAAAAAACYAAAAAAAAAwOD//wAAAAAmAAAAZAAAABYAAABMAAAAAAAAAAAAAAAEAAAAAAAAAAEAAACAgIAKAAAAACgAAAAoAAAAZAAAAGQAAAAAAAAAzMzMAAAAAABQAAAAUAAAAGQAAABkAAAAAAAAABcAAAAUAAAAAAAAAAAAAAD/fwAA/38AAAAAAAAJAAAABAAAAAAAAAAMAAAAEAAAAAAAAAAAAAAAAAAAAAAAAAAeAAAAaAAAAAAAAAAAAAAAAAAAAAAAAAAAAAAAECcAABAnAAAAAAAAAAAAAAAAAAAAAAAAAAAAAAAAAAAAAAAAAAAAABQAAAAAAAAAwMD/AAAAAABkAAAAMgAAAAAAAABkAAAAAAAAAH9/fwAKAAAAHwAAAFQAAAAAAAAFAAAAAQAAAAAAAAAAAAAAAAAAAAAAAAAAAAAAAAAAAAAAAAAAAAAAAn9/fwAAAAADzMzMAMDA/wB/f38AAAAAAAAAAAAAAAAAAAAAAAAAAAAhAAAAGAAAABQAAABQKAAAGycAAHA1AABZKQAAEAAAACYAAAAIAAAAAAAAAAAAAAA="/>
               </a:ext>
             </a:extLst>
           </p:cNvSpPr>
@@ -581,7 +582,7 @@
           <a:lstStyle/>
           <a:p>
             <a:pPr/>
-            <a:fld id="{1CB579FE-B0F1-E08F-BF0D-46DA37434913}" type="slidenum">
+            <a:fld id="{0B3B5006-48E6-6EA6-A883-BEF31ECD5EEB}" type="slidenum">
               <a:t/>
             </a:fld>
           </a:p>
@@ -619,7 +620,7 @@
             <a:spLocks noGrp="1" noChangeArrowheads="1"/>
             <a:extLst>
               <a:ext uri="smNativeData">
-                <pr:smNativeData xmlns:pr="smNativeData" val="SMDATA_13_Na6sYxMAAAAlAAAAZAAAAA8BAAAAkAAAAEgAAACQAAAASAAAAAAAAAACAAAAAQAAAAEAAABQAAAAAAAAAAAA4D8AAAAAAADgPwAAAAAAAOA/AAAAAAAA4D8AAAAAAADgPwAAAAAAAOA/AAAAAAAA4D8AAAAAAADgPwAAAAAAAOA/AAAAAAAA4D8CAAAAjAAAAAAAAAAAAAAAu+DjDP///wgAAAAAAAAAAAAAAAAAAAAAAAAAAAAAAAAAAAAAZAAAAAEAAABAAAAAAAAAAAAAAAAAAAAAAAAAAAAAAAAAAAAAAAAAAAAAAAAAAAAAAAAAAAAAAAAAAAAAAAAAAAAAAAAAAAAAAAAAAAAAAAAAAAAAAAAAAAAAAAAAAAAAFAAAADwAAAAAAAAAAAAAAAAAAAkUAAAAAQAAABQAAAAUAAAAFAAAAAEAAAAAAAAAZAAAAGQAAAAAAAAAZAAAAGQAAAAVAAAAYAAAAAAAAAAAAAAADwAAACADAAAAAAAAAAAAAAEAAACgMgAAVgcAAKr4//8BAAAAf39/AAEAAABkAAAAAAAAABQAAABAHwAAAAAAACYAAAAAAAAAwOD//wAAAAAmAAAAZAAAABYAAABMAAAAAAAAAAAAAAAEAAAAAAAAAAEAAACAgIAKAAAAACgAAAAoAAAAZAAAAGQAAAAAAAAAzMzMAAAAAABQAAAAUAAAAGQAAABkAAAAAAAAABcAAAAUAAAAAAAAAAAAAAD/fwAA/38AAAAAAAAJAAAABAAAAAAAAAAMAAAAEAAAAAAAAAAAAAAAAAAAAAAAAAAeAAAAaAAAAAAAAAAAAAAAAAAAAAAAAAAAAAAAECcAABAnAAAAAAAAAAAAAAAAAAAAAAAAAAAAAAAAAAAAAAAAAAAAABQAAAAAAAAAwMD/AAAAAABkAAAAMgAAAAAAAABkAAAAAAAAAH9/fwAKAAAAHwAAAFQAAAAAAAAFAAAAAQAAAAAAAAAAAAAAAAAAAAAAAAAAAAAAAAAAAAAAAAAAAAAAAn9/fwAAAAADzMzMAMDA/wB/f38AAAAAAAAAAAAAAAAAAAAAAAAAAAAhAAAAGAAAABQAAADIKAAAsAEAAHA1AACwJQAAEAAAACYAAAAIAAAAgwAAAAAAAAA="/>
+                <pr:smNativeData xmlns:pr="smNativeData" val="SMDATA_13_8OOwYxMAAAAlAAAAZAAAAA8BAAAAkAAAAEgAAACQAAAASAAAAAAAAAACAAAAAQAAAAEAAABQAAAAAAAAAAAA4D8AAAAAAADgPwAAAAAAAOA/AAAAAAAA4D8AAAAAAADgPwAAAAAAAOA/AAAAAAAA4D8AAAAAAADgPwAAAAAAAOA/AAAAAAAA4D8CAAAAjAAAAAAAAAAAAAAAu+DjDP///wgAAAAAAAAAAAAAAAAAAAAAAAAAAAAAAAAAAAAAZAAAAAEAAABAAAAAAAAAAAAAAAAAAAAAAAAAAAAAAAAAAAAAAAAAAAAAAAAAAAAAAAAAAAAAAAAAAAAAAAAAAAAAAAAAAAAAAAAAAAAAAAAAAAAAAAAAAAAAAAAAAAAAFAAAADwAAAAAAAAAAAAAAAAAAAkUAAAAAQAAABQAAAAUAAAAFAAAAAEAAAAAAAAAZAAAAGQAAAAAAAAAZAAAAGQAAAAVAAAAYAAAAAAAAAAAAAAADwAAACADAAAAAAAAAAAAAAEAAACgMgAAVgcAAKr4//8BAAAAf39/AAEAAABkAAAAAAAAABQAAABAHwAAAAAAACYAAAAAAAAAwOD//wAAAAAmAAAAZAAAABYAAABMAAAAAAAAAAAAAAAEAAAAAAAAAAEAAACAgIAKAAAAACgAAAAoAAAAZAAAAGQAAAAAAAAAzMzMAAAAAABQAAAAUAAAAGQAAABkAAAAAAAAABcAAAAUAAAAAAAAAAAAAAD/fwAA/38AAAAAAAAJAAAABAAAAAAAAAAMAAAAEAAAAAAAAAAAAAAAAAAAAAAAAAAeAAAAaAAAAAAAAAAAAAAAAAAAAAAAAAAAAAAAECcAABAnAAAAAAAAAAAAAAAAAAAAAAAAAAAAAAAAAAAAAAAAAAAAABQAAAAAAAAAwMD/AAAAAABkAAAAMgAAAAAAAABkAAAAAAAAAH9/fwAKAAAAHwAAAFQAAAAAAAAFAAAAAQAAAAAAAAAAAAAAAAAAAAAAAAAAAAAAAAAAAAAAAAAAAAAAAn9/fwAAAAADzMzMAMDA/wB/f38AAAAAAAAAAAAAAAAAAAAAAAAAAAAhAAAAGAAAABQAAADIKAAAsAEAAHA1AACwJQAAEAAAACYAAAAIAAAAgwAAAAAAAAA="/>
               </a:ext>
             </a:extLst>
           </p:cNvSpPr>
@@ -655,7 +656,7 @@
             <a:spLocks noGrp="1" noChangeArrowheads="1"/>
             <a:extLst>
               <a:ext uri="smNativeData">
-                <pr:smNativeData xmlns:pr="smNativeData" val="SMDATA_13_Na6sYxMAAAAlAAAAZAAAAA8BAAAAkAAAAEgAAACQAAAASAAAAAAAAAAAAAAAAQAAAAEAAABQAAAAAAAAAAAA4D8AAAAAAADgPwAAAAAAAOA/AAAAAAAA4D8AAAAAAADgPwAAAAAAAOA/AAAAAAAA4D8AAAAAAADgPwAAAAAAAOA/AAAAAAAA4D8CAAAAjAAAAAAAAAAAAAAAu+DjDP///wgAAAAAAAAAAAAAAAAAAAAAAAAAAAAAAAAAAAAAZAAAAAEAAABAAAAAAAAAAAAAAAAAAAAAAAAAAAAAAAAAAAAAAAAAAAAAAAAAAAAAAAAAAAAAAAAAAAAAAAAAAAAAAAAAAAAAAAAAAAAAAAAAAAAAAAAAAAAAAAAAAAAAFAAAADwAAAAAAAAAAAAAAAAAAAkUAAAAAQAAABQAAAAUAAAAFAAAAAEAAAAAAAAAZAAAAGQAAAAAAAAAZAAAAGQAAAAVAAAAYAAAAAAAAAAAAAAADwAAACADAAAAAAAAAAAAAAEAAACgMgAAVgcAAKr4//8BAAAAf39/AAEAAABkAAAAAAAAABQAAABAHwAAAAAAACYAAAAAAAAAwOD//wAAAAAmAAAAZAAAABYAAABMAAAAAAAAAAAAAAAEAAAAAAAAAAEAAACAgIAKAAAAACgAAAAoAAAAZAAAAGQAAAAAAAAAzMzMAAAAAABQAAAAUAAAAGQAAABkAAAAAAAAABcAAAAUAAAAAAAAAAAAAAD/fwAA/38AAAAAAAAJAAAABAAAAAAAAAAMAAAAEAAAAAAAAAAAAAAAAAAAAAAAAAAeAAAAaAAAAAAAAAAAAAAAAAAAAAAAAAAAAAAAECcAABAnAAAAAAAAAAAAAAAAAAAAAAAAAAAAAAAAAAAAAAAAAAAAABQAAAAAAAAAwMD/AAAAAABkAAAAMgAAAAAAAABkAAAAAAAAAH9/fwAKAAAAHwAAAFQAAAAAAAAFAAAAAQAAAAAAAAAAAAAAAAAAAAAAAAAAAAAAAAAAAAAAAAAAAAAAAn9/fwAAAAADzMzMAMDA/wB/f38AAAAAAAAAAAAAAAAAAAAAAAAAAAAhAAAAGAAAABQAAADQAgAAsAEAANgnAACwJQAAEAAAACYAAAAIAAAAAwAAAAAAAAA="/>
+                <pr:smNativeData xmlns:pr="smNativeData" val="SMDATA_13_8OOwYxMAAAAlAAAAZAAAAA8BAAAAkAAAAEgAAACQAAAASAAAAAAAAAAAAAAAAQAAAAEAAABQAAAAAAAAAAAA4D8AAAAAAADgPwAAAAAAAOA/AAAAAAAA4D8AAAAAAADgPwAAAAAAAOA/AAAAAAAA4D8AAAAAAADgPwAAAAAAAOA/AAAAAAAA4D8CAAAAjAAAAAAAAAAAAAAAu+DjDP///wgAAAAAAAAAAAAAAAAAAAAAAAAAAAAAAAAAAAAAZAAAAAEAAABAAAAAAAAAAAAAAAAAAAAAAAAAAAAAAAAAAAAAAAAAAAAAAAAAAAAAAAAAAAAAAAAAAAAAAAAAAAAAAAAAAAAAAAAAAAAAAAAAAAAAAAAAAAAAAAAAAAAAFAAAADwAAAAAAAAAAAAAAAAAAAkUAAAAAQAAABQAAAAUAAAAFAAAAAEAAAAAAAAAZAAAAGQAAAAAAAAAZAAAAGQAAAAVAAAAYAAAAAAAAAAAAAAADwAAACADAAAAAAAAAAAAAAEAAACgMgAAVgcAAKr4//8BAAAAf39/AAEAAABkAAAAAAAAABQAAABAHwAAAAAAACYAAAAAAAAAwOD//wAAAAAmAAAAZAAAABYAAABMAAAAAAAAAAAAAAAEAAAAAAAAAAEAAACAgIAKAAAAACgAAAAoAAAAZAAAAGQAAAAAAAAAzMzMAAAAAABQAAAAUAAAAGQAAABkAAAAAAAAABcAAAAUAAAAAAAAAAAAAAD/fwAA/38AAAAAAAAJAAAABAAAAAAAAAAMAAAAEAAAAAAAAAAAAAAAAAAAAAAAAAAeAAAAaAAAAAAAAAAAAAAAAAAAAAAAAAAAAAAAECcAABAnAAAAAAAAAAAAAAAAAAAAAAAAAAAAAAAAAAAAAAAAAAAAABQAAAAAAAAAwMD/AAAAAABkAAAAMgAAAAAAAABkAAAAAAAAAH9/fwAKAAAAHwAAAFQAAAAAAAAFAAAAAQAAAAAAAAAAAAAAAAAAAAAAAAAAAAAAAAAAAAAAAAAAAAAAAn9/fwAAAAADzMzMAMDA/wB/f38AAAAAAAAAAAAAAAAAAAAAAAAAAAAhAAAAGAAAABQAAADQAgAAsAEAANgnAACwJQAAEAAAACYAAAAIAAAAAwAAAAAAAAA="/>
               </a:ext>
             </a:extLst>
           </p:cNvSpPr>
@@ -715,7 +716,7 @@
             <a:spLocks noGrp="1" noChangeArrowheads="1"/>
             <a:extLst>
               <a:ext uri="smNativeData">
-                <pr:smNativeData xmlns:pr="smNativeData" val="SMDATA_13_Na6sYxMAAAAlAAAAZAAAAA8BAAAAkAAAAEgAAACQAAAASAAAAAAAAAABAAAAAAAAAAEAAABQAAAAAAAAAAAA4D8AAAAAAADgPwAAAAAAAOA/AAAAAAAA4D8AAAAAAADgPwAAAAAAAOA/AAAAAAAA4D8AAAAAAADgPwAAAAAAAOA/AAAAAAAA4D8CAAAAjAAAAAAAAAAAAAAAu+DjDP///wgAAAAAAAAAAAAAAAAAAAAAAAAAAAAAAAAAAAAAZAAAAAEAAABAAAAAAAAAAAAAAAAAAAAAAAAAAAAAAAAAAAAAAAAAAAAAAAAAAAAAAAAAAAAAAAAAAAAAAAAAAAAAAAAAAAAAAAAAAAAAAAAAAAAAAAAAAAAAAAAAAAAAFAAAADwAAAAAAAAAAAAAAAAAAAkUAAAAAQAAABQAAAAUAAAAFAAAAAEAAAAAAAAAZAAAAGQAAAAAAAAAZAAAAGQAAAAVAAAAYAAAAAAAAAAAAAAADwAAACADAAAAAAAAAAAAAAEAAACgMgAAVgcAAKr4//8BAAAAf39/AAEAAABkAAAAAAAAABQAAABAHwAAAAAAACYAAAAAAAAAwOD//wAAAAAmAAAAZAAAABYAAABMAAAAAAAAAAAAAAAEAAAAAAAAAAEAAACAgIAKAAAAACgAAAAoAAAAZAAAAGQAAAAAAAAAzMzMAAAAAABQAAAAUAAAAGQAAABkAAAAAAAAABcAAAAUAAAAAAAAAAAAAAD/fwAA/38AAAAAAAAJAAAABAAAAAAAAAAMAAAAEAAAAAAAAAAAAAAAAAAAAAAAAAAeAAAAaAAAAAAAAAAAAAAAAAAAAAAAAAAAAAAAECcAABAnAAAAAAAAAAAAAAAAAAAAAAAAAAAAAAAAAAAAAAAAAAAAABQAAAAAAAAAwMD/AAAAAABkAAAAMgAAAAAAAABkAAAAAAAAAH9/fwAKAAAAHwAAAFQAAAAAAAAFAAAAAQAAAAAAAAAAAAAAAAAAAAAAAAAAAAAAAAAAAAAAAAAAAAAAAn9/fwAAAAADzMzMAMDA/wB/f38AAAAAAAAAAAAAAAAAAAAAAAAAAAAhAAAAGAAAABQAAADQAgAAGycAAPAPAABZKQAAEAAAACYAAAAIAAAAAAAAAAAAAAA="/>
+                <pr:smNativeData xmlns:pr="smNativeData" val="SMDATA_13_8OOwYxMAAAAlAAAAZAAAAA8BAAAAkAAAAEgAAACQAAAASAAAAAAAAAABAAAAAAAAAAEAAABQAAAAAAAAAAAA4D8AAAAAAADgPwAAAAAAAOA/AAAAAAAA4D8AAAAAAADgPwAAAAAAAOA/AAAAAAAA4D8AAAAAAADgPwAAAAAAAOA/AAAAAAAA4D8CAAAAjAAAAAAAAAAAAAAAu+DjDP///wgAAAAAAAAAAAAAAAAAAAAAAAAAAAAAAAAAAAAAZAAAAAEAAABAAAAAAAAAAAAAAAAAAAAAAAAAAAAAAAAAAAAAAAAAAAAAAAAAAAAAAAAAAAAAAAAAAAAAAAAAAAAAAAAAAAAAAAAAAAAAAAAAAAAAAAAAAAAAAAAAAAAAFAAAADwAAAAAAAAAAAAAAAAAAAkUAAAAAQAAABQAAAAUAAAAFAAAAAEAAAAAAAAAZAAAAGQAAAAAAAAAZAAAAGQAAAAVAAAAYAAAAAAAAAAAAAAADwAAACADAAAAAAAAAAAAAAEAAACgMgAAVgcAAKr4//8BAAAAf39/AAEAAABkAAAAAAAAABQAAABAHwAAAAAAACYAAAAAAAAAwOD//wAAAAAmAAAAZAAAABYAAABMAAAAAAAAAAAAAAAEAAAAAAAAAAEAAACAgIAKAAAAACgAAAAoAAAAZAAAAGQAAAAAAAAAzMzMAAAAAABQAAAAUAAAAGQAAABkAAAAAAAAABcAAAAUAAAAAAAAAAAAAAD/fwAA/38AAAAAAAAJAAAABAAAAAAAAAAMAAAAEAAAAAAAAAAAAAAAAAAAAAAAAAAeAAAAaAAAAAAAAAAAAAAAAAAAAAAAAAAAAAAAECcAABAnAAAAAAAAAAAAAAAAAAAAAAAAAAAAAAAAAAAAAAAAAAAAABQAAAAAAAAAwMD/AAAAAABkAAAAMgAAAAAAAABkAAAAAAAAAH9/fwAKAAAAHwAAAFQAAAAAAAAFAAAAAQAAAAAAAAAAAAAAAAAAAAAAAAAAAAAAAAAAAAAAAAAAAAAAAn9/fwAAAAADzMzMAMDA/wB/f38AAAAAAAAAAAAAAAAAAAAAAAAAAAAhAAAAGAAAABQAAADQAgAAGycAAPAPAABZKQAAEAAAACYAAAAIAAAAAAAAAAAAAAA="/>
               </a:ext>
             </a:extLst>
           </p:cNvSpPr>
@@ -729,7 +730,7 @@
           <a:lstStyle/>
           <a:p>
             <a:pPr/>
-            <a:fld id="{1CB57817-59F1-E08E-BF0D-AFDB364349FA}" type="datetime1">
+            <a:fld id="{0B3B273F-71E6-6ED1-A883-878469CD5ED2}" type="datetime1">
               <a:t/>
             </a:fld>
           </a:p>
@@ -742,7 +743,7 @@
             <a:spLocks noGrp="1" noChangeArrowheads="1"/>
             <a:extLst>
               <a:ext uri="smNativeData">
-                <pr:smNativeData xmlns:pr="smNativeData" val="SMDATA_13_Na6sYxMAAAAlAAAAZAAAAA8BAAAAkAAAAEgAAACQAAAASAAAAAAAAAABAAAAAAAAAAEAAABQAAAAAAAAAAAA4D8AAAAAAADgPwAAAAAAAOA/AAAAAAAA4D8AAAAAAADgPwAAAAAAAOA/AAAAAAAA4D8AAAAAAADgPwAAAAAAAOA/AAAAAAAA4D8CAAAAjAAAAAAAAAAAAAAAu+DjDP///wgAAAAAAAAAAAAAAAAAAAAAAAAAAAAAAAAAAAAAZAAAAAEAAABAAAAAAAAAAAAAAAAAAAAAAAAAAAAAAAAAAAAAAAAAAAAAAAAAAAAAAAAAAAAAAAAAAAAAAAAAAAAAAAAAAAAAAAAAAAAAAAAAAAAAAAAAAAAAAAAAAAAAFAAAADwAAAAAAAAAAAAAAAAAAAkUAAAAAQAAABQAAAAUAAAAFAAAAAEAAAAAAAAAZAAAAGQAAAAAAAAAZAAAAGQAAAAVAAAAYAAAAAAAAAAAAAAADwAAACADAAAAAAAAAAAAAAEAAACgMgAAVgcAAKr4//8BAAAAf39/AAEAAABkAAAAAAAAABQAAABAHwAAAAAAACYAAAAAAAAAwOD//wAAAAAmAAAAZAAAABYAAABMAAAAAAAAAAAAAAAEAAAAAAAAAAEAAACAgIAKAAAAACgAAAAoAAAAZAAAAGQAAAAAAAAAzMzMAAAAAABQAAAAUAAAAGQAAABkAAAAAAAAABcAAAAUAAAAAAAAAAAAAAD/fwAA/38AAAAAAAAJAAAABAAAAAAAAAAMAAAAEAAAAAAAAAAAAAAAAAAAAAAAAAAeAAAAaAAAAAAAAAAAAAAAAAAAAAAAAAAAAAAAECcAABAnAAAAAAAAAAAAAAAAAAAAAAAAAAAAAAAAAAAAAAAAAAAAABQAAAAAAAAAwMD/AAAAAABkAAAAMgAAAAAAAABkAAAAAAAAAH9/fwAKAAAAHwAAAFQAAAAAAAAFAAAAAQAAAAAAAAAAAAAAAAAAAAAAAAAAAAAAAAAAAAAAAAAAAAAAAn9/fwAAAAADzMzMAMDA/wB/f38AAAAAAAAAAAAAAAAAAAAAAAAAAAAhAAAAGAAAABQAAAA4EwAAGycAAAglAABZKQAAEAAAACYAAAAIAAAAAAAAAAAAAAA="/>
+                <pr:smNativeData xmlns:pr="smNativeData" val="SMDATA_13_8OOwYxMAAAAlAAAAZAAAAA8BAAAAkAAAAEgAAACQAAAASAAAAAAAAAABAAAAAAAAAAEAAABQAAAAAAAAAAAA4D8AAAAAAADgPwAAAAAAAOA/AAAAAAAA4D8AAAAAAADgPwAAAAAAAOA/AAAAAAAA4D8AAAAAAADgPwAAAAAAAOA/AAAAAAAA4D8CAAAAjAAAAAAAAAAAAAAAu+DjDP///wgAAAAAAAAAAAAAAAAAAAAAAAAAAAAAAAAAAAAAZAAAAAEAAABAAAAAAAAAAAAAAAAAAAAAAAAAAAAAAAAAAAAAAAAAAAAAAAAAAAAAAAAAAAAAAAAAAAAAAAAAAAAAAAAAAAAAAAAAAAAAAAAAAAAAAAAAAAAAAAAAAAAAFAAAADwAAAAAAAAAAAAAAAAAAAkUAAAAAQAAABQAAAAUAAAAFAAAAAEAAAAAAAAAZAAAAGQAAAAAAAAAZAAAAGQAAAAVAAAAYAAAAAAAAAAAAAAADwAAACADAAAAAAAAAAAAAAEAAACgMgAAVgcAAKr4//8BAAAAf39/AAEAAABkAAAAAAAAABQAAABAHwAAAAAAACYAAAAAAAAAwOD//wAAAAAmAAAAZAAAABYAAABMAAAAAAAAAAAAAAAEAAAAAAAAAAEAAACAgIAKAAAAACgAAAAoAAAAZAAAAGQAAAAAAAAAzMzMAAAAAABQAAAAUAAAAGQAAABkAAAAAAAAABcAAAAUAAAAAAAAAAAAAAD/fwAA/38AAAAAAAAJAAAABAAAAAAAAAAMAAAAEAAAAAAAAAAAAAAAAAAAAAAAAAAeAAAAaAAAAAAAAAAAAAAAAAAAAAAAAAAAAAAAECcAABAnAAAAAAAAAAAAAAAAAAAAAAAAAAAAAAAAAAAAAAAAAAAAABQAAAAAAAAAwMD/AAAAAABkAAAAMgAAAAAAAABkAAAAAAAAAH9/fwAKAAAAHwAAAFQAAAAAAAAFAAAAAQAAAAAAAAAAAAAAAAAAAAAAAAAAAAAAAAAAAAAAAAAAAAAAAn9/fwAAAAADzMzMAMDA/wB/f38AAAAAAAAAAAAAAAAAAAAAAAAAAAAhAAAAGAAAABQAAAA4EwAAGycAAAglAABZKQAAEAAAACYAAAAIAAAAAAAAAAAAAAA="/>
               </a:ext>
             </a:extLst>
           </p:cNvSpPr>
@@ -766,7 +767,7 @@
             <a:spLocks noGrp="1" noChangeArrowheads="1"/>
             <a:extLst>
               <a:ext uri="smNativeData">
-                <pr:smNativeData xmlns:pr="smNativeData" val="SMDATA_13_Na6sYxMAAAAlAAAAZAAAAA8BAAAAkAAAAEgAAACQAAAASAAAAAAAAAABAAAAAAAAAAEAAABQAAAAAAAAAAAA4D8AAAAAAADgPwAAAAAAAOA/AAAAAAAA4D8AAAAAAADgPwAAAAAAAOA/AAAAAAAA4D8AAAAAAADgPwAAAAAAAOA/AAAAAAAA4D8CAAAAjAAAAAAAAAAAAAAAu+DjDP///wgAAAAAAAAAAAAAAAAAAAAAAAAAAAAAAAAAAAAAZAAAAAEAAABAAAAAAAAAAAAAAAAAAAAAAAAAAAAAAAAAAAAAAAAAAAAAAAAAAAAAAAAAAAAAAAAAAAAAAAAAAAAAAAAAAAAAAAAAAAAAAAAAAAAAAAAAAAAAAAAAAAAAFAAAADwAAAAAAAAAAAAAAAAAAAkUAAAAAQAAABQAAAAUAAAAFAAAAAEAAAAAAAAAZAAAAGQAAAAAAAAAZAAAAGQAAAAVAAAAYAAAAAAAAAAAAAAADwAAACADAAAAAAAAAAAAAAEAAACgMgAAVgcAAKr4//8BAAAAf39/AAEAAABkAAAAAAAAABQAAABAHwAAAAAAACYAAAAAAAAAwOD//wAAAAAmAAAAZAAAABYAAABMAAAAAAAAAAAAAAAEAAAAAAAAAAEAAACAgIAKAAAAACgAAAAoAAAAZAAAAGQAAAAAAAAAzMzMAAAAAABQAAAAUAAAAGQAAABkAAAAAAAAABcAAAAUAAAAAAAAAAAAAAD/fwAA/38AAAAAAAAJAAAABAAAAAAAAAAMAAAAEAAAAAAAAAAAAAAAAAAAAAAAAAAeAAAAaAAAAAAAAAAAAAAAAAAAAAAAAAAAAAAAECcAABAnAAAAAAAAAAAAAAAAAAAAAAAAAAAAAAAAAAAAAAAAAAAAABQAAAAAAAAAwMD/AAAAAABkAAAAMgAAAAAAAABkAAAAAAAAAH9/fwAKAAAAHwAAAFQAAAAAAAAFAAAAAQAAAAAAAAAAAAAAAAAAAAAAAAAAAAAAAAAAAAAAAAAAAAAAAn9/fwAAAAADzMzMAMDA/wB/f38AAAAAAAAAAAAAAAAAAAAAAAAAAAAhAAAAGAAAABQAAABQKAAAGycAAHA1AABZKQAAEAAAACYAAAAIAAAAAAAAAAAAAAA="/>
+                <pr:smNativeData xmlns:pr="smNativeData" val="SMDATA_13_8OOwYxMAAAAlAAAAZAAAAA8BAAAAkAAAAEgAAACQAAAASAAAAAAAAAABAAAAAAAAAAEAAABQAAAAAAAAAAAA4D8AAAAAAADgPwAAAAAAAOA/AAAAAAAA4D8AAAAAAADgPwAAAAAAAOA/AAAAAAAA4D8AAAAAAADgPwAAAAAAAOA/AAAAAAAA4D8CAAAAjAAAAAAAAAAAAAAAu+DjDP///wgAAAAAAAAAAAAAAAAAAAAAAAAAAAAAAAAAAAAAZAAAAAEAAABAAAAAAAAAAAAAAAAAAAAAAAAAAAAAAAAAAAAAAAAAAAAAAAAAAAAAAAAAAAAAAAAAAAAAAAAAAAAAAAAAAAAAAAAAAAAAAAAAAAAAAAAAAAAAAAAAAAAAFAAAADwAAAAAAAAAAAAAAAAAAAkUAAAAAQAAABQAAAAUAAAAFAAAAAEAAAAAAAAAZAAAAGQAAAAAAAAAZAAAAGQAAAAVAAAAYAAAAAAAAAAAAAAADwAAACADAAAAAAAAAAAAAAEAAACgMgAAVgcAAKr4//8BAAAAf39/AAEAAABkAAAAAAAAABQAAABAHwAAAAAAACYAAAAAAAAAwOD//wAAAAAmAAAAZAAAABYAAABMAAAAAAAAAAAAAAAEAAAAAAAAAAEAAACAgIAKAAAAACgAAAAoAAAAZAAAAGQAAAAAAAAAzMzMAAAAAABQAAAAUAAAAGQAAABkAAAAAAAAABcAAAAUAAAAAAAAAAAAAAD/fwAA/38AAAAAAAAJAAAABAAAAAAAAAAMAAAAEAAAAAAAAAAAAAAAAAAAAAAAAAAeAAAAaAAAAAAAAAAAAAAAAAAAAAAAAAAAAAAAECcAABAnAAAAAAAAAAAAAAAAAAAAAAAAAAAAAAAAAAAAAAAAAAAAABQAAAAAAAAAwMD/AAAAAABkAAAAMgAAAAAAAABkAAAAAAAAAH9/fwAKAAAAHwAAAFQAAAAAAAAFAAAAAQAAAAAAAAAAAAAAAAAAAAAAAAAAAAAAAAAAAAAAAAAAAAAAAn9/fwAAAAADzMzMAMDA/wB/f38AAAAAAAAAAAAAAAAAAAAAAAAAAAAhAAAAGAAAABQAAABQKAAAGycAAHA1AABZKQAAEAAAACYAAAAIAAAAAAAAAAAAAAA="/>
               </a:ext>
             </a:extLst>
           </p:cNvSpPr>
@@ -780,7 +781,7 @@
           <a:lstStyle/>
           <a:p>
             <a:pPr/>
-            <a:fld id="{1CB5507F-31F1-E0A6-BF0D-C7F31E434992}" type="slidenum">
+            <a:fld id="{0B3B27A9-E7E6-6ED1-A883-118469CD5E44}" type="slidenum">
               <a:t/>
             </a:fld>
           </a:p>
@@ -818,7 +819,7 @@
             <a:spLocks noGrp="1" noChangeArrowheads="1"/>
             <a:extLst>
               <a:ext uri="smNativeData">
-                <pr:smNativeData xmlns:pr="smNativeData" val="SMDATA_13_Na6sYxMAAAAlAAAAZAAAAA8BAAAAkAAAAEgAAACQAAAASAAAAAAAAAABAAAAAAAAAAEAAABQAAAAAAAAAAAA4D8AAAAAAADgPwAAAAAAAOA/AAAAAAAA4D8AAAAAAADgPwAAAAAAAOA/AAAAAAAA4D8AAAAAAADgPwAAAAAAAOA/AAAAAAAA4D8CAAAAjAAAAAAAAAAAAAAAu+DjDP///wgAAAAAAAAAAAAAAAAAAAAAAAAAAAAAAAAAAAAAZAAAAAEAAABAAAAAAAAAAAAAAAAAAAAAAAAAAAAAAAAAAAAAAAAAAAAAAAAAAAAAAAAAAAAAAAAAAAAAAAAAAAAAAAAAAAAAAAAAAAAAAAAAAAAAAAAAAAAAAAAAAAAAFAAAADwAAAAAAAAAAAAAAAAAAAkUAAAAAQAAABQAAAAUAAAAFAAAAAEAAAAAAAAAZAAAAGQAAAAAAAAAZAAAAGQAAAAVAAAAYAAAAAAAAAAAAAAADwAAACADAAAAAAAAAAAAAAEAAACgMgAAVgcAAKr4//8BAAAAf39/AAEAAABkAAAAAAAAABQAAABAHwAAAAAAACYAAAAAAAAAwOD//wAAAAAmAAAAZAAAABYAAABMAAAAAAAAAAAAAAAEAAAAAAAAAAEAAACAgIAKAAAAACgAAAAoAAAAZAAAAGQAAAAAAAAAzMzMAAAAAABQAAAAUAAAAGQAAABkAAAAAAAAABcAAAAUAAAAAAAAAAAAAAD/fwAA/38AAAAAAAAJAAAABAAAAE4AbwAMAAAAEAAAAAAAAAAAAAAAAAAAAAAAAAAeAAAAaAAAAAAAAAAAAAAAAAAAAAAAAAAAAAAAECcAABAnAAAAAAAAAAAAAAAAAAAAAAAAAAAAAAAAAAAAAAAAAAAAABQAAAAAAAAAwMD/AAAAAABkAAAAMgAAAAAAAABkAAAAAAAAAH9/fwAKAAAAHwAAAFQAAAAAAAAFAAAAAQAAAAAAAAAAAAAAAAAAAAAAAAAAAAAAAAAAAAAAAAAAAAAAAn9/fwAAAAADzMzMAMDA/wB/f38AAAAAAAAAAAAAAAAAAAAAAAAAAAAhAAAAGAAAABQAAADQAgAAsAEAAHA1AAC4CAAAEAAAACYAAAAIAAAAAAAAAAAAAAA="/>
+                <pr:smNativeData xmlns:pr="smNativeData" val="SMDATA_13_8OOwYxMAAAAlAAAAZAAAAA8BAAAAkAAAAEgAAACQAAAASAAAAAAAAAABAAAAAAAAAAEAAABQAAAAAAAAAAAA4D8AAAAAAADgPwAAAAAAAOA/AAAAAAAA4D8AAAAAAADgPwAAAAAAAOA/AAAAAAAA4D8AAAAAAADgPwAAAAAAAOA/AAAAAAAA4D8CAAAAjAAAAAAAAAAAAAAAu+DjDP///wgAAAAAAAAAAAAAAAAAAAAAAAAAAAAAAAAAAAAAZAAAAAEAAABAAAAAAAAAAAAAAAAAAAAAAAAAAAAAAAAAAAAAAAAAAAAAAAAAAAAAAAAAAAAAAAAAAAAAAAAAAAAAAAAAAAAAAAAAAAAAAAAAAAAAAAAAAAAAAAAAAAAAFAAAADwAAAAAAAAAAAAAAAAAAAkUAAAAAQAAABQAAAAUAAAAFAAAAAEAAAAAAAAAZAAAAGQAAAAAAAAAZAAAAGQAAAAVAAAAYAAAAAAAAAAAAAAADwAAACADAAAAAAAAAAAAAAEAAACgMgAAVgcAAKr4//8BAAAAf39/AAEAAABkAAAAAAAAABQAAABAHwAAAAAAACYAAAAAAAAAwOD//wAAAAAmAAAAZAAAABYAAABMAAAAAAAAAAAAAAAEAAAAAAAAAAEAAACAgIAKAAAAACgAAAAoAAAAZAAAAGQAAAAAAAAAzMzMAAAAAABQAAAAUAAAAGQAAABkAAAAAAAAABcAAAAUAAAAAAAAAAAAAAD/fwAA/38AAAAAAAAJAAAABAAAAE4AbwAMAAAAEAAAAAAAAAAAAAAAAAAAAAAAAAAeAAAAaAAAAAAAAAAAAAAAAAAAAAAAAAAAAAAAECcAABAnAAAAAAAAAAAAAAAAAAAAAAAAAAAAAAAAAAAAAAAAAAAAABQAAAAAAAAAwMD/AAAAAABkAAAAMgAAAAAAAABkAAAAAAAAAH9/fwAKAAAAHwAAAFQAAAAAAAAFAAAAAQAAAAAAAAAAAAAAAAAAAAAAAAAAAAAAAAAAAAAAAAAAAAAAAn9/fwAAAAADzMzMAMDA/wB/f38AAAAAAAAAAAAAAAAAAAAAAAAAAAAhAAAAGAAAABQAAADQAgAAsAEAAHA1AAC4CAAAEAAAACYAAAAIAAAAAAAAAAAAAAA="/>
               </a:ext>
             </a:extLst>
           </p:cNvSpPr>
@@ -845,7 +846,7 @@
             <a:spLocks noGrp="1" noChangeArrowheads="1"/>
             <a:extLst>
               <a:ext uri="smNativeData">
-                <pr:smNativeData xmlns:pr="smNativeData" val="SMDATA_13_Na6sYxMAAAAlAAAAZAAAAA8BAAAAkAAAAEgAAACQAAAASAAAAAAAAAAAAAAAAAAAAAEAAABQAAAAAAAAAAAA4D8AAAAAAADgPwAAAAAAAOA/AAAAAAAA4D8AAAAAAADgPwAAAAAAAOA/AAAAAAAA4D8AAAAAAADgPwAAAAAAAOA/AAAAAAAA4D8CAAAAjAAAAAAAAAAAAAAAu+DjDP///wgAAAAAAAAAAAAAAAAAAAAAAAAAAAAAAAAAAAAAZAAAAAEAAABAAAAAAAAAAAAAAAAAAAAAAAAAAAAAAAAAAAAAAAAAAAAAAAAAAAAAAAAAAAAAAAAAAAAAAAAAAAAAAAAAAAAAAAAAAAAAAAAAAAAAAAAAAAAAAAAAAAAAFAAAADwAAAAAAAAAAAAAAAAAAAkUAAAAAQAAABQAAAAUAAAAFAAAAAEAAAAAAAAAZAAAAGQAAAAAAAAAZAAAAGQAAAAVAAAAYAAAAAAAAAAAAAAADwAAACADAAAAAAAAAAAAAAEAAACgMgAAVgcAAKr4//8BAAAAf39/AAEAAABkAAAAAAAAABQAAABAHwAAAAAAACYAAAAAAAAAwOD//wAAAAAmAAAAZAAAABYAAABMAAAAAAAAAAAAAAAEAAAAAAAAAAEAAACAgIAKAAAAACgAAAAoAAAAZAAAAGQAAAAAAAAAzMzMAAAAAABQAAAAUAAAAGQAAABkAAAAAAAAABcAAAAUAAAAAAAAAAAAAAD/fwAA/38AAAAAAAAJAAAABAAAAAAAAAAMAAAAEAAAAAAAAAAAAAAAAAAAAAAAAAAeAAAAaAAAAAAAAAAAAAAAAAAAAAAAAAAAAAAAECcAABAnAAAAAAAAAAAAAAAAAAAAAAAAAAAAAAAAAAAAAAAAAAAAABQAAAAAAAAAwMD/AAAAAABkAAAAMgAAAAAAAABkAAAAAAAAAH9/fwAKAAAAHwAAAFQAAAAAAAAFAAAAAQAAAAAAAAAAAAAAAAAAAAAAAAAAAAAAAAAAAAAAAAAAAAAAAn9/fwAAAAADzMzMAMDA/wB/f38AAAAAAAAAAAAAAAAAAAAAAAAAAAAhAAAAGAAAABQAAADQAgAA2AkAAHA1AACwJQAAEAAAACYAAAAIAAAAAAAAAAAAAAA="/>
+                <pr:smNativeData xmlns:pr="smNativeData" val="SMDATA_13_8OOwYxMAAAAlAAAAZAAAAA8BAAAAkAAAAEgAAACQAAAASAAAAAAAAAAAAAAAAAAAAAEAAABQAAAAAAAAAAAA4D8AAAAAAADgPwAAAAAAAOA/AAAAAAAA4D8AAAAAAADgPwAAAAAAAOA/AAAAAAAA4D8AAAAAAADgPwAAAAAAAOA/AAAAAAAA4D8CAAAAjAAAAAAAAAAAAAAAu+DjDP///wgAAAAAAAAAAAAAAAAAAAAAAAAAAAAAAAAAAAAAZAAAAAEAAABAAAAAAAAAAAAAAAAAAAAAAAAAAAAAAAAAAAAAAAAAAAAAAAAAAAAAAAAAAAAAAAAAAAAAAAAAAAAAAAAAAAAAAAAAAAAAAAAAAAAAAAAAAAAAAAAAAAAAFAAAADwAAAAAAAAAAAAAAAAAAAkUAAAAAQAAABQAAAAUAAAAFAAAAAEAAAAAAAAAZAAAAGQAAAAAAAAAZAAAAGQAAAAVAAAAYAAAAAAAAAAAAAAADwAAACADAAAAAAAAAAAAAAEAAACgMgAAVgcAAKr4//8BAAAAf39/AAEAAABkAAAAAAAAABQAAABAHwAAAAAAACYAAAAAAAAAwOD//wAAAAAmAAAAZAAAABYAAABMAAAAAAAAAAAAAAAEAAAAAAAAAAEAAACAgIAKAAAAACgAAAAoAAAAZAAAAGQAAAAAAAAAzMzMAAAAAABQAAAAUAAAAGQAAABkAAAAAAAAABcAAAAUAAAAAAAAAAAAAAD/fwAA/38AAAAAAAAJAAAABAAAAAAAAAAMAAAAEAAAAAAAAAAAAAAAAAAAAAAAAAAeAAAAaAAAAAAAAAAAAAAAAAAAAAAAAAAAAAAAECcAABAnAAAAAAAAAAAAAAAAAAAAAAAAAAAAAAAAAAAAAAAAAAAAABQAAAAAAAAAwMD/AAAAAABkAAAAMgAAAAAAAABkAAAAAAAAAH9/fwAKAAAAHwAAAFQAAAAAAAAFAAAAAQAAAAAAAAAAAAAAAAAAAAAAAAAAAAAAAAAAAAAAAAAAAAAAAn9/fwAAAAADzMzMAMDA/wB/f38AAAAAAAAAAAAAAAAAAAAAAAAAAAAhAAAAGAAAABQAAADQAgAA2AkAAHA1AACwJQAAEAAAACYAAAAIAAAAAAAAAAAAAAA="/>
               </a:ext>
             </a:extLst>
           </p:cNvSpPr>
@@ -896,7 +897,7 @@
             <a:spLocks noGrp="1" noChangeArrowheads="1"/>
             <a:extLst>
               <a:ext uri="smNativeData">
-                <pr:smNativeData xmlns:pr="smNativeData" val="SMDATA_13_Na6sYxMAAAAlAAAAZAAAAA8BAAAAkAAAAEgAAACQAAAASAAAAAAAAAABAAAAAAAAAAEAAABQAAAAAAAAAAAA4D8AAAAAAADgPwAAAAAAAOA/AAAAAAAA4D8AAAAAAADgPwAAAAAAAOA/AAAAAAAA4D8AAAAAAADgPwAAAAAAAOA/AAAAAAAA4D8CAAAAjAAAAAAAAAAAAAAAu+DjDP///wgAAAAAAAAAAAAAAAAAAAAAAAAAAAAAAAAAAAAAZAAAAAEAAABAAAAAAAAAAAAAAAAAAAAAAAAAAAAAAAAAAAAAAAAAAAAAAAAAAAAAAAAAAAAAAAAAAAAAAAAAAAAAAAAAAAAAAAAAAAAAAAAAAAAAAAAAAAAAAAAAAAAAFAAAADwAAAAAAAAAAAAAAAAAAAkUAAAAAQAAABQAAAAUAAAAFAAAAAEAAAAAAAAAZAAAAGQAAAAAAAAAZAAAAGQAAAAVAAAAYAAAAAAAAAAAAAAADwAAACADAAAAAAAAAAAAAAEAAACgMgAAVgcAAKr4//8BAAAAf39/AAEAAABkAAAAAAAAABQAAABAHwAAAAAAACYAAAAAAAAAwOD//wAAAAAmAAAAZAAAABYAAABMAAAAAAAAAAAAAAAEAAAAAAAAAAEAAACAgIAKAAAAACgAAAAoAAAAZAAAAGQAAAAAAAAAzMzMAAAAAABQAAAAUAAAAGQAAABkAAAAAAAAABcAAAAUAAAAAAAAAAAAAAD/fwAA/38AAAAAAAAJAAAABAAAAFwAQwAMAAAAEAAAAAAAAAAAAAAAAAAAAAAAAAAeAAAAaAAAAAAAAAAAAAAAAAAAAAAAAAAAAAAAECcAABAnAAAAAAAAAAAAAAAAAAAAAAAAAAAAAAAAAAAAAAAAAAAAABQAAAAAAAAAwMD/AAAAAABkAAAAMgAAAAAAAABkAAAAAAAAAH9/fwAKAAAAHwAAAFQAAAAAAAAFAAAAAQAAAAAAAAAAAAAAAAAAAAAAAAAAAAAAAAAAAAAAAAAAAAAAAn9/fwAAAAADzMzMAMDA/wB/f38AAAAAAAAAAAAAAAAAAAAAAAAAAAAhAAAAGAAAABQAAADQAgAAGycAAPAPAABZKQAAEAAAACYAAAAIAAAAAAAAAAAAAAA="/>
+                <pr:smNativeData xmlns:pr="smNativeData" val="SMDATA_13_8OOwYxMAAAAlAAAAZAAAAA8BAAAAkAAAAEgAAACQAAAASAAAAAAAAAABAAAAAAAAAAEAAABQAAAAAAAAAAAA4D8AAAAAAADgPwAAAAAAAOA/AAAAAAAA4D8AAAAAAADgPwAAAAAAAOA/AAAAAAAA4D8AAAAAAADgPwAAAAAAAOA/AAAAAAAA4D8CAAAAjAAAAAAAAAAAAAAAu+DjDP///wgAAAAAAAAAAAAAAAAAAAAAAAAAAAAAAAAAAAAAZAAAAAEAAABAAAAAAAAAAAAAAAAAAAAAAAAAAAAAAAAAAAAAAAAAAAAAAAAAAAAAAAAAAAAAAAAAAAAAAAAAAAAAAAAAAAAAAAAAAAAAAAAAAAAAAAAAAAAAAAAAAAAAFAAAADwAAAAAAAAAAAAAAAAAAAkUAAAAAQAAABQAAAAUAAAAFAAAAAEAAAAAAAAAZAAAAGQAAAAAAAAAZAAAAGQAAAAVAAAAYAAAAAAAAAAAAAAADwAAACADAAAAAAAAAAAAAAEAAACgMgAAVgcAAKr4//8BAAAAf39/AAEAAABkAAAAAAAAABQAAABAHwAAAAAAACYAAAAAAAAAwOD//wAAAAAmAAAAZAAAABYAAABMAAAAAAAAAAAAAAAEAAAAAAAAAAEAAACAgIAKAAAAACgAAAAoAAAAZAAAAGQAAAAAAAAAzMzMAAAAAABQAAAAUAAAAGQAAABkAAAAAAAAABcAAAAUAAAAAAAAAAAAAAD/fwAA/38AAAAAAAAJAAAABAAAAFwAQwAMAAAAEAAAAAAAAAAAAAAAAAAAAAAAAAAeAAAAaAAAAAAAAAAAAAAAAAAAAAAAAAAAAAAAECcAABAnAAAAAAAAAAAAAAAAAAAAAAAAAAAAAAAAAAAAAAAAAAAAABQAAAAAAAAAwMD/AAAAAABkAAAAMgAAAAAAAABkAAAAAAAAAH9/fwAKAAAAHwAAAFQAAAAAAAAFAAAAAQAAAAAAAAAAAAAAAAAAAAAAAAAAAAAAAAAAAAAAAAAAAAAAAn9/fwAAAAADzMzMAMDA/wB/f38AAAAAAAAAAAAAAAAAAAAAAAAAAAAhAAAAGAAAABQAAADQAgAAGycAAPAPAABZKQAAEAAAACYAAAAIAAAAAAAAAAAAAAA="/>
               </a:ext>
             </a:extLst>
           </p:cNvSpPr>
@@ -910,7 +911,7 @@
           <a:lstStyle/>
           <a:p>
             <a:pPr/>
-            <a:fld id="{1CB530BA-F4F1-E0C6-BF0D-02937E434957}" type="datetime1">
+            <a:fld id="{0B3B0DC1-8FE6-6EFB-A883-79AE43CD5E2C}" type="datetime1">
               <a:t/>
             </a:fld>
           </a:p>
@@ -923,7 +924,7 @@
             <a:spLocks noGrp="1" noChangeArrowheads="1"/>
             <a:extLst>
               <a:ext uri="smNativeData">
-                <pr:smNativeData xmlns:pr="smNativeData" val="SMDATA_13_Na6sYxMAAAAlAAAAZAAAAA8BAAAAkAAAAEgAAACQAAAASAAAAAAAAAABAAAAAAAAAAEAAABQAAAAAAAAAAAA4D8AAAAAAADgPwAAAAAAAOA/AAAAAAAA4D8AAAAAAADgPwAAAAAAAOA/AAAAAAAA4D8AAAAAAADgPwAAAAAAAOA/AAAAAAAA4D8CAAAAjAAAAAAAAAAAAAAAu+DjDP///wgAAAAAAAAAAAAAAAAAAAAAAAAAAAAAAAAAAAAAZAAAAAEAAABAAAAAAAAAAAAAAAAAAAAAAAAAAAAAAAAAAAAAAAAAAAAAAAAAAAAAAAAAAAAAAAAAAAAAAAAAAAAAAAAAAAAAAAAAAAAAAAAAAAAAAAAAAAAAAAAAAAAAFAAAADwAAAAAAAAAAAAAAAAAAAkUAAAAAQAAABQAAAAUAAAAFAAAAAEAAAAAAAAAZAAAAGQAAAAAAAAAZAAAAGQAAAAVAAAAYAAAAAAAAAAAAAAADwAAACADAAAAAAAAAAAAAAEAAACgMgAAVgcAAKr4//8BAAAAf39/AAEAAABkAAAAAAAAABQAAABAHwAAAAAAACYAAAAAAAAAwOD//wAAAAAmAAAAZAAAABYAAABMAAAAAAAAAAAAAAAEAAAAAAAAAAEAAACAgIAKAAAAACgAAAAoAAAAZAAAAGQAAAAAAAAAzMzMAAAAAABQAAAAUAAAAGQAAABkAAAAAAAAABcAAAAUAAAAAAAAAAAAAAD/fwAA/38AAAAAAAAJAAAABAAAAElJSf8MAAAAEAAAAAAAAAAAAAAAAAAAAAAAAAAeAAAAaAAAAAAAAAAAAAAAAAAAAAAAAAAAAAAAECcAABAnAAAAAAAAAAAAAAAAAAAAAAAAAAAAAAAAAAAAAAAAAAAAABQAAAAAAAAAwMD/AAAAAABkAAAAMgAAAAAAAABkAAAAAAAAAH9/fwAKAAAAHwAAAFQAAAAAAAAFAAAAAQAAAAAAAAAAAAAAAAAAAAAAAAAAAAAAAAAAAAAAAAAAAAAAAn9/fwAAAAADzMzMAMDA/wB/f38AAAAAAAAAAAAAAAAAAAAAAAAAAAAhAAAAGAAAABQAAAA4EwAAGycAAAglAABZKQAAEAAAACYAAAAIAAAAAAAAAAAAAAA="/>
+                <pr:smNativeData xmlns:pr="smNativeData" val="SMDATA_13_8OOwYxMAAAAlAAAAZAAAAA8BAAAAkAAAAEgAAACQAAAASAAAAAAAAAABAAAAAAAAAAEAAABQAAAAAAAAAAAA4D8AAAAAAADgPwAAAAAAAOA/AAAAAAAA4D8AAAAAAADgPwAAAAAAAOA/AAAAAAAA4D8AAAAAAADgPwAAAAAAAOA/AAAAAAAA4D8CAAAAjAAAAAAAAAAAAAAAu+DjDP///wgAAAAAAAAAAAAAAAAAAAAAAAAAAAAAAAAAAAAAZAAAAAEAAABAAAAAAAAAAAAAAAAAAAAAAAAAAAAAAAAAAAAAAAAAAAAAAAAAAAAAAAAAAAAAAAAAAAAAAAAAAAAAAAAAAAAAAAAAAAAAAAAAAAAAAAAAAAAAAAAAAAAAFAAAADwAAAAAAAAAAAAAAAAAAAkUAAAAAQAAABQAAAAUAAAAFAAAAAEAAAAAAAAAZAAAAGQAAAAAAAAAZAAAAGQAAAAVAAAAYAAAAAAAAAAAAAAADwAAACADAAAAAAAAAAAAAAEAAACgMgAAVgcAAKr4//8BAAAAf39/AAEAAABkAAAAAAAAABQAAABAHwAAAAAAACYAAAAAAAAAwOD//wAAAAAmAAAAZAAAABYAAABMAAAAAAAAAAAAAAAEAAAAAAAAAAEAAACAgIAKAAAAACgAAAAoAAAAZAAAAGQAAAAAAAAAzMzMAAAAAABQAAAAUAAAAGQAAABkAAAAAAAAABcAAAAUAAAAAAAAAAAAAAD/fwAA/38AAAAAAAAJAAAABAAAAElJSf8MAAAAEAAAAAAAAAAAAAAAAAAAAAAAAAAeAAAAaAAAAAAAAAAAAAAAAAAAAAAAAAAAAAAAECcAABAnAAAAAAAAAAAAAAAAAAAAAAAAAAAAAAAAAAAAAAAAAAAAABQAAAAAAAAAwMD/AAAAAABkAAAAMgAAAAAAAABkAAAAAAAAAH9/fwAKAAAAHwAAAFQAAAAAAAAFAAAAAQAAAAAAAAAAAAAAAAAAAAAAAAAAAAAAAAAAAAAAAAAAAAAAAn9/fwAAAAADzMzMAMDA/wB/f38AAAAAAAAAAAAAAAAAAAAAAAAAAAAhAAAAGAAAABQAAAA4EwAAGycAAAglAABZKQAAEAAAACYAAAAIAAAAAAAAAAAAAAA="/>
               </a:ext>
             </a:extLst>
           </p:cNvSpPr>
@@ -947,7 +948,7 @@
             <a:spLocks noGrp="1" noChangeArrowheads="1"/>
             <a:extLst>
               <a:ext uri="smNativeData">
-                <pr:smNativeData xmlns:pr="smNativeData" val="SMDATA_13_Na6sYxMAAAAlAAAAZAAAAA8BAAAAkAAAAEgAAACQAAAASAAAAAAAAAABAAAAAAAAAAEAAABQAAAAAAAAAAAA4D8AAAAAAADgPwAAAAAAAOA/AAAAAAAA4D8AAAAAAADgPwAAAAAAAOA/AAAAAAAA4D8AAAAAAADgPwAAAAAAAOA/AAAAAAAA4D8CAAAAjAAAAAAAAAAAAAAAu+DjDP///wgAAAAAAAAAAAAAAAAAAAAAAAAAAAAAAAAAAAAAZAAAAAEAAABAAAAAAAAAAAAAAAAAAAAAAAAAAAAAAAAAAAAAAAAAAAAAAAAAAAAAAAAAAAAAAAAAAAAAAAAAAAAAAAAAAAAAAAAAAAAAAAAAAAAAAAAAAAAAAAAAAAAAFAAAADwAAAAAAAAAAAAAAAAAAAkUAAAAAQAAABQAAAAUAAAAFAAAAAEAAAAAAAAAZAAAAGQAAAAAAAAAZAAAAGQAAAAVAAAAYAAAAAAAAAAAAAAADwAAACADAAAAAAAAAAAAAAEAAACgMgAAVgcAAKr4//8BAAAAf39/AAEAAABkAAAAAAAAABQAAABAHwAAAAAAACYAAAAAAAAAwOD//wAAAAAmAAAAZAAAABYAAABMAAAAAAAAAAAAAAAEAAAAAAAAAAEAAACAgIAKAAAAACgAAAAoAAAAZAAAAGQAAAAAAAAAzMzMAAAAAABQAAAAUAAAAGQAAABkAAAAAAAAABcAAAAUAAAAAAAAAAAAAAD/fwAA/38AAAAAAAAJAAAABAAAAAAAAAAMAAAAEAAAAAAAAAAAAAAAAAAAAAAAAAAeAAAAaAAAAAAAAAAAAAAAAAAAAAAAAAAAAAAAECcAABAnAAAAAAAAAAAAAAAAAAAAAAAAAAAAAAAAAAAAAAAAAAAAABQAAAAAAAAAwMD/AAAAAABkAAAAMgAAAAAAAABkAAAAAAAAAH9/fwAKAAAAHwAAAFQAAAAAAAAFAAAAAQAAAAAAAAAAAAAAAAAAAAAAAAAAAAAAAAAAAAAAAAAAAAAAAn9/fwAAAAADzMzMAMDA/wB/f38AAAAAAAAAAAAAAAAAAAAAAAAAAAAhAAAAGAAAABQAAABQKAAAGycAAHA1AABZKQAAEAAAACYAAAAIAAAAAAAAAAAAAAA="/>
+                <pr:smNativeData xmlns:pr="smNativeData" val="SMDATA_13_8OOwYxMAAAAlAAAAZAAAAA8BAAAAkAAAAEgAAACQAAAASAAAAAAAAAABAAAAAAAAAAEAAABQAAAAAAAAAAAA4D8AAAAAAADgPwAAAAAAAOA/AAAAAAAA4D8AAAAAAADgPwAAAAAAAOA/AAAAAAAA4D8AAAAAAADgPwAAAAAAAOA/AAAAAAAA4D8CAAAAjAAAAAAAAAAAAAAAu+DjDP///wgAAAAAAAAAAAAAAAAAAAAAAAAAAAAAAAAAAAAAZAAAAAEAAABAAAAAAAAAAAAAAAAAAAAAAAAAAAAAAAAAAAAAAAAAAAAAAAAAAAAAAAAAAAAAAAAAAAAAAAAAAAAAAAAAAAAAAAAAAAAAAAAAAAAAAAAAAAAAAAAAAAAAFAAAADwAAAAAAAAAAAAAAAAAAAkUAAAAAQAAABQAAAAUAAAAFAAAAAEAAAAAAAAAZAAAAGQAAAAAAAAAZAAAAGQAAAAVAAAAYAAAAAAAAAAAAAAADwAAACADAAAAAAAAAAAAAAEAAACgMgAAVgcAAKr4//8BAAAAf39/AAEAAABkAAAAAAAAABQAAABAHwAAAAAAACYAAAAAAAAAwOD//wAAAAAmAAAAZAAAABYAAABMAAAAAAAAAAAAAAAEAAAAAAAAAAEAAACAgIAKAAAAACgAAAAoAAAAZAAAAGQAAAAAAAAAzMzMAAAAAABQAAAAUAAAAGQAAABkAAAAAAAAABcAAAAUAAAAAAAAAAAAAAD/fwAA/38AAAAAAAAJAAAABAAAAAAAAAAMAAAAEAAAAAAAAAAAAAAAAAAAAAAAAAAeAAAAaAAAAAAAAAAAAAAAAAAAAAAAAAAAAAAAECcAABAnAAAAAAAAAAAAAAAAAAAAAAAAAAAAAAAAAAAAAAAAAAAAABQAAAAAAAAAwMD/AAAAAABkAAAAMgAAAAAAAABkAAAAAAAAAH9/fwAKAAAAHwAAAFQAAAAAAAAFAAAAAQAAAAAAAAAAAAAAAAAAAAAAAAAAAAAAAAAAAAAAAAAAAAAAAn9/fwAAAAADzMzMAMDA/wB/f38AAAAAAAAAAAAAAAAAAAAAAAAAAAAhAAAAGAAAABQAAABQKAAAGycAAHA1AABZKQAAEAAAACYAAAAIAAAAAAAAAAAAAAA="/>
               </a:ext>
             </a:extLst>
           </p:cNvSpPr>
@@ -961,7 +962,7 @@
           <a:lstStyle/>
           <a:p>
             <a:pPr/>
-            <a:fld id="{1CB545D3-9DF1-E0B3-BF0D-6BE60B43493E}" type="slidenum">
+            <a:fld id="{0B3B131D-53E6-6EE5-A883-A5B05DCD5EF0}" type="slidenum">
               <a:t/>
             </a:fld>
           </a:p>
@@ -999,7 +1000,7 @@
             <a:spLocks noGrp="1" noChangeArrowheads="1"/>
             <a:extLst>
               <a:ext uri="smNativeData">
-                <pr:smNativeData xmlns:pr="smNativeData" val="SMDATA_13_Na6sYxMAAAAlAAAAZAAAAA8BAAAAkAAAAEgAAACQAAAASAAAAAAAAAAAAAAAAAAAAAEAAABQAAAAAAAAAAAA4D8AAAAAAADgPwAAAAAAAOA/AAAAAAAA4D8AAAAAAADgPwAAAAAAAOA/AAAAAAAA4D8AAAAAAADgPwAAAAAAAOA/AAAAAAAA4D8CAAAAjAAAAAAAAAAAAAAAu+DjDP///wgAAAAAAAAAAAAAAAAAAAAAAAAAAAAAAAAAAAAAZAAAAAEAAABAAAAAAAAAAAAAAAAAAAAAAAAAAAAAAAAAAAAAAAAAAAAAAAAAAAAAAAAAAAAAAAAAAAAAAAAAAAAAAAAAAAAAAAAAAAAAAAAAAAAAAAAAAAAAAAAAAAAAFAAAADwAAAAAAAAAAAAAAAAAAAkUAAAAAQAAABQAAAAUAAAAFAAAAAEAAAAAAAAAZAAAAGQAAAAAAAAAZAAAAGQAAAAVAAAAYAAAAAAAAAAAAAAADwAAACADAAAAAAAAAAAAAAEAAACgMgAAVgcAAKr4//8BAAAAf39/AAEAAABkAAAAAAAAABQAAABAHwAAAAAAACYAAAAAAAAAwOD//wAAAAAmAAAAZAAAABYAAABMAAAAAAAAAAAAAAAEAAAAAAAAAAEAAACAgIAKAAAAACgAAAAoAAAAZAAAAGQAAAAAAAAAzMzMAAAAAABQAAAAUAAAAGQAAABkAAAAAAAAABcAAAAUAAAAAAAAAAAAAAD/fwAA/38AAAAAAAAJAAAABAAAAAAAAAAMAAAAEAAAAAAAAAAAAAAAAAAAAAAAAAAeAAAAaAAAAAAAAAAAAAAAAAAAAAAAAAAAAAAAECcAABAnAAAAAAAAAAAAAAAAAAAAAAAAAAAAAAAAAAAAAAAAAAAAABQAAAAAAAAAwMD/AAAAAABkAAAAMgAAAAAAAABkAAAAAAAAAH9/fwAKAAAAHwAAAFQAAAAAAAAFAAAAAQAAAAAAAAAAAAAAAAAAAAAAAAAAAAAAAAAAAAAAAAAAAAAAAn9/fwAAAAADzMzMAMDA/wB/f38AAAAAAAAAAAAAAAAAAAAAAAAAAAAhAAAAGAAAABQAAAByBAAAHBsAAEI0AAB9IwAAEAAAACYAAAAIAAAAgYAAAAAAAAA="/>
+                <pr:smNativeData xmlns:pr="smNativeData" val="SMDATA_13_8OOwYxMAAAAlAAAAZAAAAA8BAAAAkAAAAEgAAACQAAAASAAAAAAAAAAAAAAAAAAAAAEAAABQAAAAAAAAAAAA4D8AAAAAAADgPwAAAAAAAOA/AAAAAAAA4D8AAAAAAADgPwAAAAAAAOA/AAAAAAAA4D8AAAAAAADgPwAAAAAAAOA/AAAAAAAA4D8CAAAAjAAAAAAAAAAAAAAAu+DjDP///wgAAAAAAAAAAAAAAAAAAAAAAAAAAAAAAAAAAAAAZAAAAAEAAABAAAAAAAAAAAAAAAAAAAAAAAAAAAAAAAAAAAAAAAAAAAAAAAAAAAAAAAAAAAAAAAAAAAAAAAAAAAAAAAAAAAAAAAAAAAAAAAAAAAAAAAAAAAAAAAAAAAAAFAAAADwAAAAAAAAAAAAAAAAAAAkUAAAAAQAAABQAAAAUAAAAFAAAAAEAAAAAAAAAZAAAAGQAAAAAAAAAZAAAAGQAAAAVAAAAYAAAAAAAAAAAAAAADwAAACADAAAAAAAAAAAAAAEAAACgMgAAVgcAAKr4//8BAAAAf39/AAEAAABkAAAAAAAAABQAAABAHwAAAAAAACYAAAAAAAAAwOD//wAAAAAmAAAAZAAAABYAAABMAAAAAAAAAAAAAAAEAAAAAAAAAAEAAACAgIAKAAAAACgAAAAoAAAAZAAAAGQAAAAAAAAAzMzMAAAAAABQAAAAUAAAAGQAAABkAAAAAAAAABcAAAAUAAAAAAAAAAAAAAD/fwAA/38AAAAAAAAJAAAABAAAAAAAAAAMAAAAEAAAAAAAAAAAAAAAAAAAAAAAAAAeAAAAaAAAAAAAAAAAAAAAAAAAAAAAAAAAAAAAECcAABAnAAAAAAAAAAAAAAAAAAAAAAAAAAAAAAAAAAAAAAAAAAAAABQAAAAAAAAAwMD/AAAAAABkAAAAMgAAAAAAAABkAAAAAAAAAH9/fwAKAAAAHwAAAFQAAAAAAAAFAAAAAQAAAAAAAAAAAAAAAAAAAAAAAAAAAAAAAAAAAAAAAAAAAAAAAn9/fwAAAAADzMzMAMDA/wB/f38AAAAAAAAAAAAAAAAAAAAAAAAAAAAhAAAAGAAAABQAAAByBAAAHBsAAEI0AAB9IwAAEAAAACYAAAAIAAAAgYAAAAAAAAA="/>
               </a:ext>
             </a:extLst>
           </p:cNvSpPr>
@@ -1041,7 +1042,7 @@
             <a:spLocks noGrp="1" noChangeArrowheads="1"/>
             <a:extLst>
               <a:ext uri="smNativeData">
-                <pr:smNativeData xmlns:pr="smNativeData" val="SMDATA_13_Na6sYxMAAAAlAAAAZAAAAA8BAAAAkAAAAEgAAACQAAAASAAAAAAAAAACAAAAAAAAAAEAAABQAAAAAAAAAAAA4D8AAAAAAADgPwAAAAAAAOA/AAAAAAAA4D8AAAAAAADgPwAAAAAAAOA/AAAAAAAA4D8AAAAAAADgPwAAAAAAAOA/AAAAAAAA4D8CAAAAjAAAAAAAAAAAAAAAu+DjDP///wgAAAAAAAAAAAAAAAAAAAAAAAAAAAAAAAAAAAAAZAAAAAEAAABAAAAAAAAAAAAAAAAAAAAAAAAAAAAAAAAAAAAAAAAAAAAAAAAAAAAAAAAAAAAAAAAAAAAAAAAAAAAAAAAAAAAAAAAAAAAAAAAAAAAAAAAAAAAAAAAAAAAAFAAAADwAAAAAAAAAAAAAAAAAAAkUAAAAAQAAABQAAAAUAAAAFAAAAAEAAAAAAAAAZAAAAGQAAAAAAAAAZAAAAGQAAAAVAAAAYAAAAAAAAAAAAAAADwAAACADAAAAAAAAAAAAAAEAAACgMgAAVgcAAKr4//8BAAAAf39/AAEAAABkAAAAAAAAABQAAABAHwAAAAAAACYAAAAAAAAAwOD//wAAAAAmAAAAZAAAABYAAABMAAAAAAAAAAAAAAAEAAAAAAAAAAEAAACAgIAKAAAAACgAAAAoAAAAZAAAAGQAAAAAAAAAzMzMAAAAAABQAAAAUAAAAGQAAABkAAAAAAAAABcAAAAUAAAAAAAAAAAAAAD/fwAA/38AAAAAAAAJAAAABAAAAO3FAwAMAAAAEAAAAAAAAAAAAAAAAAAAAAAAAAAeAAAAaAAAAAAAAAAAAAAAAAAAAAAAAAAAAAAAECcAABAnAAAAAAAAAAAAAAAAAAAAAAAAAAAAAAAAAAAAAAAAAAAAABQAAAAAAAAAwMD/AAAAAABkAAAAMgAAAAAAAABkAAAAAAAAAH9/fwAKAAAAHwAAAFQAAAAAAAAFAAAAAQAAAAAAAAAAAAAAAAAAAAAAAAAAAAAAAAAAAAAAAAAAAAAAAn9/fwAAAAADzMzMAMDA/wB/f38AAAAAAAAAAAAAAAAAAAAAAAAAAAAhAAAAGAAAABQAAAByBAAA4REAAEI0AAAcGwAAEAAAACYAAAAIAAAAgYAAAAAAAAA="/>
+                <pr:smNativeData xmlns:pr="smNativeData" val="SMDATA_13_8OOwYxMAAAAlAAAAZAAAAA8BAAAAkAAAAEgAAACQAAAASAAAAAAAAAACAAAAAAAAAAEAAABQAAAAAAAAAAAA4D8AAAAAAADgPwAAAAAAAOA/AAAAAAAA4D8AAAAAAADgPwAAAAAAAOA/AAAAAAAA4D8AAAAAAADgPwAAAAAAAOA/AAAAAAAA4D8CAAAAjAAAAAAAAAAAAAAAu+DjDP///wgAAAAAAAAAAAAAAAAAAAAAAAAAAAAAAAAAAAAAZAAAAAEAAABAAAAAAAAAAAAAAAAAAAAAAAAAAAAAAAAAAAAAAAAAAAAAAAAAAAAAAAAAAAAAAAAAAAAAAAAAAAAAAAAAAAAAAAAAAAAAAAAAAAAAAAAAAAAAAAAAAAAAFAAAADwAAAAAAAAAAAAAAAAAAAkUAAAAAQAAABQAAAAUAAAAFAAAAAEAAAAAAAAAZAAAAGQAAAAAAAAAZAAAAGQAAAAVAAAAYAAAAAAAAAAAAAAADwAAACADAAAAAAAAAAAAAAEAAACgMgAAVgcAAKr4//8BAAAAf39/AAEAAABkAAAAAAAAABQAAABAHwAAAAAAACYAAAAAAAAAwOD//wAAAAAmAAAAZAAAABYAAABMAAAAAAAAAAAAAAAEAAAAAAAAAAEAAACAgIAKAAAAACgAAAAoAAAAZAAAAGQAAAAAAAAAzMzMAAAAAABQAAAAUAAAAGQAAABkAAAAAAAAABcAAAAUAAAAAAAAAAAAAAD/fwAA/38AAAAAAAAJAAAABAAAAO3FAwAMAAAAEAAAAAAAAAAAAAAAAAAAAAAAAAAeAAAAaAAAAAAAAAAAAAAAAAAAAAAAAAAAAAAAECcAABAnAAAAAAAAAAAAAAAAAAAAAAAAAAAAAAAAAAAAAAAAAAAAABQAAAAAAAAAwMD/AAAAAABkAAAAMgAAAAAAAABkAAAAAAAAAH9/fwAKAAAAHwAAAFQAAAAAAAAFAAAAAQAAAAAAAAAAAAAAAAAAAAAAAAAAAAAAAAAAAAAAAAAAAAAAAn9/fwAAAAADzMzMAMDA/wB/f38AAAAAAAAAAAAAAAAAAAAAAAAAAAAhAAAAGAAAABQAAAByBAAA4REAAEI0AAAcGwAAEAAAACYAAAAIAAAAgYAAAAAAAAA="/>
               </a:ext>
             </a:extLst>
           </p:cNvSpPr>
@@ -1114,7 +1115,7 @@
             <a:spLocks noGrp="1" noChangeArrowheads="1"/>
             <a:extLst>
               <a:ext uri="smNativeData">
-                <pr:smNativeData xmlns:pr="smNativeData" val="SMDATA_13_Na6sYxMAAAAlAAAAZAAAAA8BAAAAkAAAAEgAAACQAAAASAAAAAAAAAABAAAAAAAAAAEAAABQAAAAAAAAAAAA4D8AAAAAAADgPwAAAAAAAOA/AAAAAAAA4D8AAAAAAADgPwAAAAAAAOA/AAAAAAAA4D8AAAAAAADgPwAAAAAAAOA/AAAAAAAA4D8CAAAAjAAAAAAAAAAAAAAAu+DjDP///wgAAAAAAAAAAAAAAAAAAAAAAAAAAAAAAAAAAAAAZAAAAAEAAABAAAAAAAAAAAAAAAAAAAAAAAAAAAAAAAAAAAAAAAAAAAAAAAAAAAAAAAAAAAAAAAAAAAAAAAAAAAAAAAAAAAAAAAAAAAAAAAAAAAAAAAAAAAAAAAAAAAAAFAAAADwAAAAAAAAAAAAAAAAAAAkUAAAAAQAAABQAAAAUAAAAFAAAAAEAAAAAAAAAZAAAAGQAAAAAAAAAZAAAAGQAAAAVAAAAYAAAAAAAAAAAAAAADwAAACADAAAAAAAAAAAAAAEAAACgMgAAVgcAAKr4//8BAAAAf39/AAEAAABkAAAAAAAAABQAAABAHwAAAAAAACYAAAAAAAAAwOD//wAAAAAmAAAAZAAAABYAAABMAAAAAAAAAAAAAAAEAAAAAAAAAAEAAACAgIAKAAAAACgAAAAoAAAAZAAAAGQAAAAAAAAAzMzMAAAAAABQAAAAUAAAAGQAAABkAAAAAAAAABcAAAAUAAAAAAAAAAAAAAD/fwAA/38AAAAAAAAJAAAABAAAAPBC34oMAAAAEAAAAAAAAAAAAAAAAAAAAAAAAAAeAAAAaAAAAAAAAAAAAAAAAAAAAAAAAAAAAAAAECcAABAnAAAAAAAAAAAAAAAAAAAAAAAAAAAAAAAAAAAAAAAAAAAAABQAAAAAAAAAwMD/AAAAAABkAAAAMgAAAAAAAABkAAAAAAAAAH9/fwAKAAAAHwAAAFQAAAAAAAAFAAAAAQAAAAAAAAAAAAAAAAAAAAAAAAAAAAAAAAAAAAAAAAAAAAAAAn9/fwAAAAADzMzMAMDA/wB/f38AAAAAAAAAAAAAAAAAAAAAAAAAAAAhAAAAGAAAABQAAADQAgAAGycAAPAPAABZKQAAEAAAACYAAAAIAAAAAAAAAAAAAAA="/>
+                <pr:smNativeData xmlns:pr="smNativeData" val="SMDATA_13_8OOwYxMAAAAlAAAAZAAAAA8BAAAAkAAAAEgAAACQAAAASAAAAAAAAAABAAAAAAAAAAEAAABQAAAAAAAAAAAA4D8AAAAAAADgPwAAAAAAAOA/AAAAAAAA4D8AAAAAAADgPwAAAAAAAOA/AAAAAAAA4D8AAAAAAADgPwAAAAAAAOA/AAAAAAAA4D8CAAAAjAAAAAAAAAAAAAAAu+DjDP///wgAAAAAAAAAAAAAAAAAAAAAAAAAAAAAAAAAAAAAZAAAAAEAAABAAAAAAAAAAAAAAAAAAAAAAAAAAAAAAAAAAAAAAAAAAAAAAAAAAAAAAAAAAAAAAAAAAAAAAAAAAAAAAAAAAAAAAAAAAAAAAAAAAAAAAAAAAAAAAAAAAAAAFAAAADwAAAAAAAAAAAAAAAAAAAkUAAAAAQAAABQAAAAUAAAAFAAAAAEAAAAAAAAAZAAAAGQAAAAAAAAAZAAAAGQAAAAVAAAAYAAAAAAAAAAAAAAADwAAACADAAAAAAAAAAAAAAEAAACgMgAAVgcAAKr4//8BAAAAf39/AAEAAABkAAAAAAAAABQAAABAHwAAAAAAACYAAAAAAAAAwOD//wAAAAAmAAAAZAAAABYAAABMAAAAAAAAAAAAAAAEAAAAAAAAAAEAAACAgIAKAAAAACgAAAAoAAAAZAAAAGQAAAAAAAAAzMzMAAAAAABQAAAAUAAAAGQAAABkAAAAAAAAABcAAAAUAAAAAAAAAAAAAAD/fwAA/38AAAAAAAAJAAAABAAAAPBC34oMAAAAEAAAAAAAAAAAAAAAAAAAAAAAAAAeAAAAaAAAAAAAAAAAAAAAAAAAAAAAAAAAAAAAECcAABAnAAAAAAAAAAAAAAAAAAAAAAAAAAAAAAAAAAAAAAAAAAAAABQAAAAAAAAAwMD/AAAAAABkAAAAMgAAAAAAAABkAAAAAAAAAH9/fwAKAAAAHwAAAFQAAAAAAAAFAAAAAQAAAAAAAAAAAAAAAAAAAAAAAAAAAAAAAAAAAAAAAAAAAAAAAn9/fwAAAAADzMzMAMDA/wB/f38AAAAAAAAAAAAAAAAAAAAAAAAAAAAhAAAAGAAAABQAAADQAgAAGycAAPAPAABZKQAAEAAAACYAAAAIAAAAAAAAAAAAAAA="/>
               </a:ext>
             </a:extLst>
           </p:cNvSpPr>
@@ -1128,7 +1129,7 @@
           <a:lstStyle/>
           <a:p>
             <a:pPr/>
-            <a:fld id="{1CB5598E-C0F1-E0AF-BF0D-36FA17434963}" type="datetime1">
+            <a:fld id="{0B3B4316-58E6-6EB5-A883-AEE00DCD5EFB}" type="datetime1">
               <a:t/>
             </a:fld>
           </a:p>
@@ -1141,7 +1142,7 @@
             <a:spLocks noGrp="1" noChangeArrowheads="1"/>
             <a:extLst>
               <a:ext uri="smNativeData">
-                <pr:smNativeData xmlns:pr="smNativeData" val="SMDATA_13_Na6sYxMAAAAlAAAAZAAAAA8BAAAAkAAAAEgAAACQAAAASAAAAAAAAAABAAAAAAAAAAEAAABQAAAAAAAAAAAA4D8AAAAAAADgPwAAAAAAAOA/AAAAAAAA4D8AAAAAAADgPwAAAAAAAOA/AAAAAAAA4D8AAAAAAADgPwAAAAAAAOA/AAAAAAAA4D8CAAAAjAAAAAAAAAAAAAAAu+DjDP///wgAAAAAAAAAAAAAAAAAAAAAAAAAAAAAAAAAAAAAZAAAAAEAAABAAAAAAAAAAAAAAAAAAAAAAAAAAAAAAAAAAAAAAAAAAAAAAAAAAAAAAAAAAAAAAAAAAAAAAAAAAAAAAAAAAAAAAAAAAAAAAAAAAAAAAAAAAAAAAAAAAAAAFAAAADwAAAAAAAAAAAAAAAAAAAkUAAAAAQAAABQAAAAUAAAAFAAAAAEAAAAAAAAAZAAAAGQAAAAAAAAAZAAAAGQAAAAVAAAAYAAAAAAAAAAAAAAADwAAACADAAAAAAAAAAAAAAEAAACgMgAAVgcAAKr4//8BAAAAf39/AAEAAABkAAAAAAAAABQAAABAHwAAAAAAACYAAAAAAAAAwOD//wAAAAAmAAAAZAAAABYAAABMAAAAAAAAAAAAAAAEAAAAAAAAAAEAAACAgIAKAAAAACgAAAAoAAAAZAAAAGQAAAAAAAAAzMzMAAAAAABQAAAAUAAAAGQAAABkAAAAAAAAABcAAAAUAAAAAAAAAAAAAAD/fwAA/38AAAAAAAAJAAAABAAAANMZJUQMAAAAEAAAAAAAAAAAAAAAAAAAAAAAAAAeAAAAaAAAAAAAAAAAAAAAAAAAAAAAAAAAAAAAECcAABAnAAAAAAAAAAAAAAAAAAAAAAAAAAAAAAAAAAAAAAAAAAAAABQAAAAAAAAAwMD/AAAAAABkAAAAMgAAAAAAAABkAAAAAAAAAH9/fwAKAAAAHwAAAFQAAAAAAAAFAAAAAQAAAAAAAAAAAAAAAAAAAAAAAAAAAAAAAAAAAAAAAAAAAAAAAn9/fwAAAAADzMzMAMDA/wB/f38AAAAAAAAAAAAAAAAAAAAAAAAAAAAhAAAAGAAAABQAAAA4EwAAGycAAAglAABZKQAAEAAAACYAAAAIAAAAAAAAAAAAAAA="/>
+                <pr:smNativeData xmlns:pr="smNativeData" val="SMDATA_13_8OOwYxMAAAAlAAAAZAAAAA8BAAAAkAAAAEgAAACQAAAASAAAAAAAAAABAAAAAAAAAAEAAABQAAAAAAAAAAAA4D8AAAAAAADgPwAAAAAAAOA/AAAAAAAA4D8AAAAAAADgPwAAAAAAAOA/AAAAAAAA4D8AAAAAAADgPwAAAAAAAOA/AAAAAAAA4D8CAAAAjAAAAAAAAAAAAAAAu+DjDP///wgAAAAAAAAAAAAAAAAAAAAAAAAAAAAAAAAAAAAAZAAAAAEAAABAAAAAAAAAAAAAAAAAAAAAAAAAAAAAAAAAAAAAAAAAAAAAAAAAAAAAAAAAAAAAAAAAAAAAAAAAAAAAAAAAAAAAAAAAAAAAAAAAAAAAAAAAAAAAAAAAAAAAFAAAADwAAAAAAAAAAAAAAAAAAAkUAAAAAQAAABQAAAAUAAAAFAAAAAEAAAAAAAAAZAAAAGQAAAAAAAAAZAAAAGQAAAAVAAAAYAAAAAAAAAAAAAAADwAAACADAAAAAAAAAAAAAAEAAACgMgAAVgcAAKr4//8BAAAAf39/AAEAAABkAAAAAAAAABQAAABAHwAAAAAAACYAAAAAAAAAwOD//wAAAAAmAAAAZAAAABYAAABMAAAAAAAAAAAAAAAEAAAAAAAAAAEAAACAgIAKAAAAACgAAAAoAAAAZAAAAGQAAAAAAAAAzMzMAAAAAABQAAAAUAAAAGQAAABkAAAAAAAAABcAAAAUAAAAAAAAAAAAAAD/fwAA/38AAAAAAAAJAAAABAAAANMZJUQMAAAAEAAAAAAAAAAAAAAAAAAAAAAAAAAeAAAAaAAAAAAAAAAAAAAAAAAAAAAAAAAAAAAAECcAABAnAAAAAAAAAAAAAAAAAAAAAAAAAAAAAAAAAAAAAAAAAAAAABQAAAAAAAAAwMD/AAAAAABkAAAAMgAAAAAAAABkAAAAAAAAAH9/fwAKAAAAHwAAAFQAAAAAAAAFAAAAAQAAAAAAAAAAAAAAAAAAAAAAAAAAAAAAAAAAAAAAAAAAAAAAAn9/fwAAAAADzMzMAMDA/wB/f38AAAAAAAAAAAAAAAAAAAAAAAAAAAAhAAAAGAAAABQAAAA4EwAAGycAAAglAABZKQAAEAAAACYAAAAIAAAAAAAAAAAAAAA="/>
               </a:ext>
             </a:extLst>
           </p:cNvSpPr>
@@ -1165,7 +1166,7 @@
             <a:spLocks noGrp="1" noChangeArrowheads="1"/>
             <a:extLst>
               <a:ext uri="smNativeData">
-                <pr:smNativeData xmlns:pr="smNativeData" val="SMDATA_13_Na6sYxMAAAAlAAAAZAAAAA8BAAAAkAAAAEgAAACQAAAASAAAAAAAAAABAAAAAAAAAAEAAABQAAAAAAAAAAAA4D8AAAAAAADgPwAAAAAAAOA/AAAAAAAA4D8AAAAAAADgPwAAAAAAAOA/AAAAAAAA4D8AAAAAAADgPwAAAAAAAOA/AAAAAAAA4D8CAAAAjAAAAAAAAAAAAAAAu+DjDP///wgAAAAAAAAAAAAAAAAAAAAAAAAAAAAAAAAAAAAAZAAAAAEAAABAAAAAAAAAAAAAAAAAAAAAAAAAAAAAAAAAAAAAAAAAAAAAAAAAAAAAAAAAAAAAAAAAAAAAAAAAAAAAAAAAAAAAAAAAAAAAAAAAAAAAAAAAAAAAAAAAAAAAFAAAADwAAAAAAAAAAAAAAAAAAAkUAAAAAQAAABQAAAAUAAAAFAAAAAEAAAAAAAAAZAAAAGQAAAAAAAAAZAAAAGQAAAAVAAAAYAAAAAAAAAAAAAAADwAAACADAAAAAAAAAAAAAAEAAACgMgAAVgcAAKr4//8BAAAAf39/AAEAAABkAAAAAAAAABQAAABAHwAAAAAAACYAAAAAAAAAwOD//wAAAAAmAAAAZAAAABYAAABMAAAAAAAAAAAAAAAEAAAAAAAAAAEAAACAgIAKAAAAACgAAAAoAAAAZAAAAGQAAAAAAAAAzMzMAAAAAABQAAAAUAAAAGQAAABkAAAAAAAAABcAAAAUAAAAAAAAAAAAAAD/fwAA/38AAAAAAAAJAAAABAAAAPhL+yIMAAAAEAAAAAAAAAAAAAAAAAAAAAAAAAAeAAAAaAAAAAAAAAAAAAAAAAAAAAAAAAAAAAAAECcAABAnAAAAAAAAAAAAAAAAAAAAAAAAAAAAAAAAAAAAAAAAAAAAABQAAAAAAAAAwMD/AAAAAABkAAAAMgAAAAAAAABkAAAAAAAAAH9/fwAKAAAAHwAAAFQAAAAAAAAFAAAAAQAAAAAAAAAAAAAAAAAAAAAAAAAAAAAAAAAAAAAAAAAAAAAAAn9/fwAAAAADzMzMAMDA/wB/f38AAAAAAAAAAAAAAAAAAAAAAAAAAAAhAAAAGAAAABQAAABQKAAAGycAAHA1AABZKQAAEAAAACYAAAAIAAAAAAAAAAAAAAA="/>
+                <pr:smNativeData xmlns:pr="smNativeData" val="SMDATA_13_8OOwYxMAAAAlAAAAZAAAAA8BAAAAkAAAAEgAAACQAAAASAAAAAAAAAABAAAAAAAAAAEAAABQAAAAAAAAAAAA4D8AAAAAAADgPwAAAAAAAOA/AAAAAAAA4D8AAAAAAADgPwAAAAAAAOA/AAAAAAAA4D8AAAAAAADgPwAAAAAAAOA/AAAAAAAA4D8CAAAAjAAAAAAAAAAAAAAAu+DjDP///wgAAAAAAAAAAAAAAAAAAAAAAAAAAAAAAAAAAAAAZAAAAAEAAABAAAAAAAAAAAAAAAAAAAAAAAAAAAAAAAAAAAAAAAAAAAAAAAAAAAAAAAAAAAAAAAAAAAAAAAAAAAAAAAAAAAAAAAAAAAAAAAAAAAAAAAAAAAAAAAAAAAAAFAAAADwAAAAAAAAAAAAAAAAAAAkUAAAAAQAAABQAAAAUAAAAFAAAAAEAAAAAAAAAZAAAAGQAAAAAAAAAZAAAAGQAAAAVAAAAYAAAAAAAAAAAAAAADwAAACADAAAAAAAAAAAAAAEAAACgMgAAVgcAAKr4//8BAAAAf39/AAEAAABkAAAAAAAAABQAAABAHwAAAAAAACYAAAAAAAAAwOD//wAAAAAmAAAAZAAAABYAAABMAAAAAAAAAAAAAAAEAAAAAAAAAAEAAACAgIAKAAAAACgAAAAoAAAAZAAAAGQAAAAAAAAAzMzMAAAAAABQAAAAUAAAAGQAAABkAAAAAAAAABcAAAAUAAAAAAAAAAAAAAD/fwAA/38AAAAAAAAJAAAABAAAAPhL+yIMAAAAEAAAAAAAAAAAAAAAAAAAAAAAAAAeAAAAaAAAAAAAAAAAAAAAAAAAAAAAAAAAAAAAECcAABAnAAAAAAAAAAAAAAAAAAAAAAAAAAAAAAAAAAAAAAAAAAAAABQAAAAAAAAAwMD/AAAAAABkAAAAMgAAAAAAAABkAAAAAAAAAH9/fwAKAAAAHwAAAFQAAAAAAAAFAAAAAQAAAAAAAAAAAAAAAAAAAAAAAAAAAAAAAAAAAAAAAAAAAAAAAn9/fwAAAAADzMzMAMDA/wB/f38AAAAAAAAAAAAAAAAAAAAAAAAAAAAhAAAAGAAAABQAAABQKAAAGycAAHA1AABZKQAAEAAAACYAAAAIAAAAAAAAAAAAAAA="/>
               </a:ext>
             </a:extLst>
           </p:cNvSpPr>
@@ -1179,7 +1180,7 @@
           <a:lstStyle/>
           <a:p>
             <a:pPr/>
-            <a:fld id="{1CB51FF5-BBF1-E0E9-BF0D-4DBC51434918}" type="slidenum">
+            <a:fld id="{0B3B112B-65E6-6EE7-A883-93B25FCD5EC6}" type="slidenum">
               <a:t/>
             </a:fld>
           </a:p>
@@ -1217,7 +1218,7 @@
             <a:spLocks noGrp="1" noChangeArrowheads="1"/>
             <a:extLst>
               <a:ext uri="smNativeData">
-                <pr:smNativeData xmlns:pr="smNativeData" val="SMDATA_13_Na6sYxMAAAAlAAAAZAAAAA8BAAAAkAAAAEgAAACQAAAASAAAAAAAAAABAAAAAAAAAAEAAABQAAAAAAAAAAAA4D8AAAAAAADgPwAAAAAAAOA/AAAAAAAA4D8AAAAAAADgPwAAAAAAAOA/AAAAAAAA4D8AAAAAAADgPwAAAAAAAOA/AAAAAAAA4D8CAAAAjAAAAAAAAAAAAAAAu+DjDP///wgAAAAAAAAAAAAAAAAAAAAAAAAAAAAAAAAAAAAAZAAAAAEAAABAAAAAAAAAAAAAAAAAAAAAAAAAAAAAAAAAAAAAAAAAAAAAAAAAAAAAAAAAAAAAAAAAAAAAAAAAAAAAAAAAAAAAAAAAAAAAAAAAAAAAAAAAAAAAAAAAAAAAFAAAADwAAAAAAAAAAAAAAAAAAAkUAAAAAQAAABQAAAAUAAAAFAAAAAEAAAAAAAAAZAAAAGQAAAAAAAAAZAAAAGQAAAAVAAAAYAAAAAAAAAAAAAAADwAAACADAAAAAAAAAAAAAAEAAACgMgAAVgcAAKr4//8BAAAAf39/AAEAAABkAAAAAAAAABQAAABAHwAAAAAAACYAAAAAAAAAwOD//wAAAAAmAAAAZAAAABYAAABMAAAAAAAAAAAAAAAEAAAAAAAAAAEAAACAgIAKAAAAACgAAAAoAAAAZAAAAGQAAAAAAAAAzMzMAAAAAABQAAAAUAAAAGQAAABkAAAAAAAAABcAAAAUAAAAAAAAAAAAAAD/fwAA/38AAAAAAAAJAAAABAAAAAMAhj4MAAAAEAAAAAAAAAAAAAAAAAAAAAAAAAAeAAAAaAAAAAAAAAAAAAAAAAAAAAAAAAAAAAAAECcAABAnAAAAAAAAAAAAAAAAAAAAAAAAAAAAAAAAAAAAAAAAAAAAABQAAAAAAAAAwMD/AAAAAABkAAAAMgAAAAAAAABkAAAAAAAAAH9/fwAKAAAAHwAAAFQAAAAAAAAFAAAAAQAAAAAAAAAAAAAAAAAAAAAAAAAAAAAAAAAAAAAAAAAAAAAAAn9/fwAAAAADzMzMAMDA/wB/f38AAAAAAAAAAAAAAAAAAAAAAAAAAAAhAAAAGAAAABQAAADQAgAAsAEAAHA1AAC4CAAAEAAAACYAAAAIAAAAAAAAAAAAAAA="/>
+                <pr:smNativeData xmlns:pr="smNativeData" val="SMDATA_13_8OOwYxMAAAAlAAAAZAAAAA8BAAAAkAAAAEgAAACQAAAASAAAAAAAAAABAAAAAAAAAAEAAABQAAAAAAAAAAAA4D8AAAAAAADgPwAAAAAAAOA/AAAAAAAA4D8AAAAAAADgPwAAAAAAAOA/AAAAAAAA4D8AAAAAAADgPwAAAAAAAOA/AAAAAAAA4D8CAAAAjAAAAAAAAAAAAAAAu+DjDP///wgAAAAAAAAAAAAAAAAAAAAAAAAAAAAAAAAAAAAAZAAAAAEAAABAAAAAAAAAAAAAAAAAAAAAAAAAAAAAAAAAAAAAAAAAAAAAAAAAAAAAAAAAAAAAAAAAAAAAAAAAAAAAAAAAAAAAAAAAAAAAAAAAAAAAAAAAAAAAAAAAAAAAFAAAADwAAAAAAAAAAAAAAAAAAAkUAAAAAQAAABQAAAAUAAAAFAAAAAEAAAAAAAAAZAAAAGQAAAAAAAAAZAAAAGQAAAAVAAAAYAAAAAAAAAAAAAAADwAAACADAAAAAAAAAAAAAAEAAACgMgAAVgcAAKr4//8BAAAAf39/AAEAAABkAAAAAAAAABQAAABAHwAAAAAAACYAAAAAAAAAwOD//wAAAAAmAAAAZAAAABYAAABMAAAAAAAAAAAAAAAEAAAAAAAAAAEAAACAgIAKAAAAACgAAAAoAAAAZAAAAGQAAAAAAAAAzMzMAAAAAABQAAAAUAAAAGQAAABkAAAAAAAAABcAAAAUAAAAAAAAAAAAAAD/fwAA/38AAAAAAAAJAAAABAAAAAMAhj4MAAAAEAAAAAAAAAAAAAAAAAAAAAAAAAAeAAAAaAAAAAAAAAAAAAAAAAAAAAAAAAAAAAAAECcAABAnAAAAAAAAAAAAAAAAAAAAAAAAAAAAAAAAAAAAAAAAAAAAABQAAAAAAAAAwMD/AAAAAABkAAAAMgAAAAAAAABkAAAAAAAAAH9/fwAKAAAAHwAAAFQAAAAAAAAFAAAAAQAAAAAAAAAAAAAAAAAAAAAAAAAAAAAAAAAAAAAAAAAAAAAAAn9/fwAAAAADzMzMAMDA/wB/f38AAAAAAAAAAAAAAAAAAAAAAAAAAAAhAAAAGAAAABQAAADQAgAAsAEAAHA1AAC4CAAAEAAAACYAAAAIAAAAAAAAAAAAAAA="/>
               </a:ext>
             </a:extLst>
           </p:cNvSpPr>
@@ -1244,7 +1245,7 @@
             <a:spLocks noGrp="1" noChangeArrowheads="1"/>
             <a:extLst>
               <a:ext uri="smNativeData">
-                <pr:smNativeData xmlns:pr="smNativeData" val="SMDATA_13_Na6sYxMAAAAlAAAAZAAAAA8BAAAAkAAAAEgAAACQAAAASAAAAAAAAAAAAAAAAAAAAAEAAABQAAAAAAAAAAAA4D8AAAAAAADgPwAAAAAAAOA/AAAAAAAA4D8AAAAAAADgPwAAAAAAAOA/AAAAAAAA4D8AAAAAAADgPwAAAAAAAOA/AAAAAAAA4D8CAAAAjAAAAAAAAAAAAAAAu+DjDP///wgAAAAAAAAAAAAAAAAAAAAAAAAAAAAAAAAAAAAAZAAAAAEAAABAAAAAAAAAAAAAAAAAAAAAAAAAAAAAAAAAAAAAAAAAAAAAAAAAAAAAAAAAAAAAAAAAAAAAAAAAAAAAAAAAAAAAAAAAAAAAAAAAAAAAAAAAAAAAAAAAAAAAFAAAADwAAAAAAAAAAAAAAAAAAAkUAAAAAQAAABQAAAAUAAAAFAAAAAEAAAAAAAAAZAAAAGQAAAAAAAAAZAAAAGQAAAAVAAAAYAAAAAAAAAAAAAAADwAAACADAAAAAAAAAAAAAAEAAACgMgAAVgcAAKr4//8BAAAAf39/AAEAAABkAAAAAAAAABQAAABAHwAAAAAAACYAAAAAAAAAwOD//wAAAAAmAAAAZAAAABYAAABMAAAAAAAAAAAAAAAEAAAAAAAAAAEAAACAgIAKAAAAACgAAAAoAAAAZAAAAGQAAAAAAAAAzMzMAAAAAABQAAAAUAAAAGQAAABkAAAAAAAAABcAAAAUAAAAAAAAAAAAAAD/fwAA/38AAAAAAAAJAAAABAAAAJJH8tUMAAAAEAAAAAAAAAAAAAAAAAAAAAAAAAAeAAAAaAAAAAAAAAAAAAAAAAAAAAAAAAAAAAAAECcAABAnAAAAAAAAAAAAAAAAAAAAAAAAAAAAAAAAAAAAAAAAAAAAABQAAAAAAAAAwMD/AAAAAABkAAAAMgAAAAAAAABkAAAAAAAAAH9/fwAKAAAAHwAAAFQAAAAAAAAFAAAAAQAAAAAAAAAAAAAAAAAAAAAAAAAAAAAAAAAAAAAAAAAAAAAAAn9/fwAAAAADzMzMAMDA/wB/f38AAAAAAAAAAAAAAAAAAAAAAAAAAAAhAAAAGAAAABQAAADQAgAA2AkAAKgbAACwJQAAEAAAACYAAAAIAAAAAYAAAAAAAAA="/>
+                <pr:smNativeData xmlns:pr="smNativeData" val="SMDATA_13_8OOwYxMAAAAlAAAAZAAAAA8BAAAAkAAAAEgAAACQAAAASAAAAAAAAAAAAAAAAAAAAAEAAABQAAAAAAAAAAAA4D8AAAAAAADgPwAAAAAAAOA/AAAAAAAA4D8AAAAAAADgPwAAAAAAAOA/AAAAAAAA4D8AAAAAAADgPwAAAAAAAOA/AAAAAAAA4D8CAAAAjAAAAAAAAAAAAAAAu+DjDP///wgAAAAAAAAAAAAAAAAAAAAAAAAAAAAAAAAAAAAAZAAAAAEAAABAAAAAAAAAAAAAAAAAAAAAAAAAAAAAAAAAAAAAAAAAAAAAAAAAAAAAAAAAAAAAAAAAAAAAAAAAAAAAAAAAAAAAAAAAAAAAAAAAAAAAAAAAAAAAAAAAAAAAFAAAADwAAAAAAAAAAAAAAAAAAAkUAAAAAQAAABQAAAAUAAAAFAAAAAEAAAAAAAAAZAAAAGQAAAAAAAAAZAAAAGQAAAAVAAAAYAAAAAAAAAAAAAAADwAAACADAAAAAAAAAAAAAAEAAACgMgAAVgcAAKr4//8BAAAAf39/AAEAAABkAAAAAAAAABQAAABAHwAAAAAAACYAAAAAAAAAwOD//wAAAAAmAAAAZAAAABYAAABMAAAAAAAAAAAAAAAEAAAAAAAAAAEAAACAgIAKAAAAACgAAAAoAAAAZAAAAGQAAAAAAAAAzMzMAAAAAABQAAAAUAAAAGQAAABkAAAAAAAAABcAAAAUAAAAAAAAAAAAAAD/fwAA/38AAAAAAAAJAAAABAAAAJJH8tUMAAAAEAAAAAAAAAAAAAAAAAAAAAAAAAAeAAAAaAAAAAAAAAAAAAAAAAAAAAAAAAAAAAAAECcAABAnAAAAAAAAAAAAAAAAAAAAAAAAAAAAAAAAAAAAAAAAAAAAABQAAAAAAAAAwMD/AAAAAABkAAAAMgAAAAAAAABkAAAAAAAAAH9/fwAKAAAAHwAAAFQAAAAAAAAFAAAAAQAAAAAAAAAAAAAAAAAAAAAAAAAAAAAAAAAAAAAAAAAAAAAAAn9/fwAAAAADzMzMAMDA/wB/f38AAAAAAAAAAAAAAAAAAAAAAAAAAAAhAAAAGAAAABQAAADQAgAA2AkAAKgbAACwJQAAEAAAACYAAAAIAAAAAYAAAAAAAAA="/>
               </a:ext>
             </a:extLst>
           </p:cNvSpPr>
@@ -1328,7 +1329,7 @@
             <a:spLocks noGrp="1" noChangeArrowheads="1"/>
             <a:extLst>
               <a:ext uri="smNativeData">
-                <pr:smNativeData xmlns:pr="smNativeData" val="SMDATA_13_Na6sYxMAAAAlAAAAZAAAAA8BAAAAkAAAAEgAAACQAAAASAAAAAAAAAAAAAAAAAAAAAEAAABQAAAAAAAAAAAA4D8AAAAAAADgPwAAAAAAAOA/AAAAAAAA4D8AAAAAAADgPwAAAAAAAOA/AAAAAAAA4D8AAAAAAADgPwAAAAAAAOA/AAAAAAAA4D8CAAAAjAAAAAAAAAAAAAAAu+DjDP///wgAAAAAAAAAAAAAAAAAAAAAAAAAAAAAAAAAAAAAZAAAAAEAAABAAAAAAAAAAAAAAAAAAAAAAAAAAAAAAAAAAAAAAAAAAAAAAAAAAAAAAAAAAAAAAAAAAAAAAAAAAAAAAAAAAAAAAAAAAAAAAAAAAAAAAAAAAAAAAAAAAAAAFAAAADwAAAAAAAAAAAAAAAAAAAkUAAAAAQAAABQAAAAUAAAAFAAAAAEAAAAAAAAAZAAAAGQAAAAAAAAAZAAAAGQAAAAVAAAAYAAAAAAAAAAAAAAADwAAACADAAAAAAAAAAAAAAEAAACgMgAAVgcAAKr4//8BAAAAf39/AAEAAABkAAAAAAAAABQAAABAHwAAAAAAACYAAAAAAAAAwOD//wAAAAAmAAAAZAAAABYAAABMAAAAAAAAAAAAAAAEAAAAAAAAAAEAAACAgIAKAAAAACgAAAAoAAAAZAAAAGQAAAAAAAAAzMzMAAAAAABQAAAAUAAAAGQAAABkAAAAAAAAABcAAAAUAAAAAAAAAAAAAAD/fwAA/38AAAAAAAAJAAAABAAAAO8vAwAMAAAAEAAAAAAAAAAAAAAAAAAAAAAAAAAeAAAAaAAAAAAAAAAAAAAAAAAAAAAAAAAAAAAAECcAABAnAAAAAAAAAAAAAAAAAAAAAAAAAAAAAAAAAAAAAAAAAAAAABQAAAAAAAAAwMD/AAAAAABkAAAAMgAAAAAAAABkAAAAAAAAAH9/fwAKAAAAHwAAAFQAAAAAAAAFAAAAAQAAAAAAAAAAAAAAAAAAAAAAAAAAAAAAAAAAAAAAAAAAAAAAAn9/fwAAAAADzMzMAMDA/wB/f38AAAAAAAAAAAAAAAAAAAAAAAAAAAAhAAAAGAAAABQAAACYHAAA2AkAAHA1AACwJQAAEAAAACYAAAAIAAAAAYAAAAAAAAA="/>
+                <pr:smNativeData xmlns:pr="smNativeData" val="SMDATA_13_8OOwYxMAAAAlAAAAZAAAAA8BAAAAkAAAAEgAAACQAAAASAAAAAAAAAAAAAAAAAAAAAEAAABQAAAAAAAAAAAA4D8AAAAAAADgPwAAAAAAAOA/AAAAAAAA4D8AAAAAAADgPwAAAAAAAOA/AAAAAAAA4D8AAAAAAADgPwAAAAAAAOA/AAAAAAAA4D8CAAAAjAAAAAAAAAAAAAAAu+DjDP///wgAAAAAAAAAAAAAAAAAAAAAAAAAAAAAAAAAAAAAZAAAAAEAAABAAAAAAAAAAAAAAAAAAAAAAAAAAAAAAAAAAAAAAAAAAAAAAAAAAAAAAAAAAAAAAAAAAAAAAAAAAAAAAAAAAAAAAAAAAAAAAAAAAAAAAAAAAAAAAAAAAAAAFAAAADwAAAAAAAAAAAAAAAAAAAkUAAAAAQAAABQAAAAUAAAAFAAAAAEAAAAAAAAAZAAAAGQAAAAAAAAAZAAAAGQAAAAVAAAAYAAAAAAAAAAAAAAADwAAACADAAAAAAAAAAAAAAEAAACgMgAAVgcAAKr4//8BAAAAf39/AAEAAABkAAAAAAAAABQAAABAHwAAAAAAACYAAAAAAAAAwOD//wAAAAAmAAAAZAAAABYAAABMAAAAAAAAAAAAAAAEAAAAAAAAAAEAAACAgIAKAAAAACgAAAAoAAAAZAAAAGQAAAAAAAAAzMzMAAAAAABQAAAAUAAAAGQAAABkAAAAAAAAABcAAAAUAAAAAAAAAAAAAAD/fwAA/38AAAAAAAAJAAAABAAAAO8vAwAMAAAAEAAAAAAAAAAAAAAAAAAAAAAAAAAeAAAAaAAAAAAAAAAAAAAAAAAAAAAAAAAAAAAAECcAABAnAAAAAAAAAAAAAAAAAAAAAAAAAAAAAAAAAAAAAAAAAAAAABQAAAAAAAAAwMD/AAAAAABkAAAAMgAAAAAAAABkAAAAAAAAAH9/fwAKAAAAHwAAAFQAAAAAAAAFAAAAAQAAAAAAAAAAAAAAAAAAAAAAAAAAAAAAAAAAAAAAAAAAAAAAAn9/fwAAAAADzMzMAMDA/wB/f38AAAAAAAAAAAAAAAAAAAAAAAAAAAAhAAAAGAAAABQAAACYHAAA2AkAAHA1AACwJQAAEAAAACYAAAAIAAAAAYAAAAAAAAA="/>
               </a:ext>
             </a:extLst>
           </p:cNvSpPr>
@@ -1412,7 +1413,7 @@
             <a:spLocks noGrp="1" noChangeArrowheads="1"/>
             <a:extLst>
               <a:ext uri="smNativeData">
-                <pr:smNativeData xmlns:pr="smNativeData" val="SMDATA_13_Na6sYxMAAAAlAAAAZAAAAA8BAAAAkAAAAEgAAACQAAAASAAAAAAAAAABAAAAAAAAAAEAAABQAAAAAAAAAAAA4D8AAAAAAADgPwAAAAAAAOA/AAAAAAAA4D8AAAAAAADgPwAAAAAAAOA/AAAAAAAA4D8AAAAAAADgPwAAAAAAAOA/AAAAAAAA4D8CAAAAjAAAAAAAAAAAAAAAu+DjDP///wgAAAAAAAAAAAAAAAAAAAAAAAAAAAAAAAAAAAAAZAAAAAEAAABAAAAAAAAAAAAAAAAAAAAAAAAAAAAAAAAAAAAAAAAAAAAAAAAAAAAAAAAAAAAAAAAAAAAAAAAAAAAAAAAAAAAAAAAAAAAAAAAAAAAAAAAAAAAAAAAAAAAAFAAAADwAAAAAAAAAAAAAAAAAAAkUAAAAAQAAABQAAAAUAAAAFAAAAAEAAAAAAAAAZAAAAGQAAAAAAAAAZAAAAGQAAAAVAAAAYAAAAAAAAAAAAAAADwAAACADAAAAAAAAAAAAAAEAAACgMgAAVgcAAKr4//8BAAAAf39/AAEAAABkAAAAAAAAABQAAABAHwAAAAAAACYAAAAAAAAAwOD//wAAAAAmAAAAZAAAABYAAABMAAAAAAAAAAAAAAAEAAAAAAAAAAEAAACAgIAKAAAAACgAAAAoAAAAZAAAAGQAAAAAAAAAzMzMAAAAAABQAAAAUAAAAGQAAABkAAAAAAAAABcAAAAUAAAAAAAAAAAAAAD/fwAA/38AAAAAAAAJAAAABAAAAAMAf0oMAAAAEAAAAAAAAAAAAAAAAAAAAAAAAAAeAAAAaAAAAAAAAAAAAAAAAAAAAAAAAAAAAAAAECcAABAnAAAAAAAAAAAAAAAAAAAAAAAAAAAAAAAAAAAAAAAAAAAAABQAAAAAAAAAwMD/AAAAAABkAAAAMgAAAAAAAABkAAAAAAAAAH9/fwAKAAAAHwAAAFQAAAAAAAAFAAAAAQAAAAAAAAAAAAAAAAAAAAAAAAAAAAAAAAAAAAAAAAAAAAAAAn9/fwAAAAADzMzMAMDA/wB/f38AAAAAAAAAAAAAAAAAAAAAAAAAAAAhAAAAGAAAABQAAADQAgAAGycAAPAPAABZKQAAEAAAACYAAAAIAAAAAAAAAAAAAAA="/>
+                <pr:smNativeData xmlns:pr="smNativeData" val="SMDATA_13_8OOwYxMAAAAlAAAAZAAAAA8BAAAAkAAAAEgAAACQAAAASAAAAAAAAAABAAAAAAAAAAEAAABQAAAAAAAAAAAA4D8AAAAAAADgPwAAAAAAAOA/AAAAAAAA4D8AAAAAAADgPwAAAAAAAOA/AAAAAAAA4D8AAAAAAADgPwAAAAAAAOA/AAAAAAAA4D8CAAAAjAAAAAAAAAAAAAAAu+DjDP///wgAAAAAAAAAAAAAAAAAAAAAAAAAAAAAAAAAAAAAZAAAAAEAAABAAAAAAAAAAAAAAAAAAAAAAAAAAAAAAAAAAAAAAAAAAAAAAAAAAAAAAAAAAAAAAAAAAAAAAAAAAAAAAAAAAAAAAAAAAAAAAAAAAAAAAAAAAAAAAAAAAAAAFAAAADwAAAAAAAAAAAAAAAAAAAkUAAAAAQAAABQAAAAUAAAAFAAAAAEAAAAAAAAAZAAAAGQAAAAAAAAAZAAAAGQAAAAVAAAAYAAAAAAAAAAAAAAADwAAACADAAAAAAAAAAAAAAEAAACgMgAAVgcAAKr4//8BAAAAf39/AAEAAABkAAAAAAAAABQAAABAHwAAAAAAACYAAAAAAAAAwOD//wAAAAAmAAAAZAAAABYAAABMAAAAAAAAAAAAAAAEAAAAAAAAAAEAAACAgIAKAAAAACgAAAAoAAAAZAAAAGQAAAAAAAAAzMzMAAAAAABQAAAAUAAAAGQAAABkAAAAAAAAABcAAAAUAAAAAAAAAAAAAAD/fwAA/38AAAAAAAAJAAAABAAAAAMAf0oMAAAAEAAAAAAAAAAAAAAAAAAAAAAAAAAeAAAAaAAAAAAAAAAAAAAAAAAAAAAAAAAAAAAAECcAABAnAAAAAAAAAAAAAAAAAAAAAAAAAAAAAAAAAAAAAAAAAAAAABQAAAAAAAAAwMD/AAAAAABkAAAAMgAAAAAAAABkAAAAAAAAAH9/fwAKAAAAHwAAAFQAAAAAAAAFAAAAAQAAAAAAAAAAAAAAAAAAAAAAAAAAAAAAAAAAAAAAAAAAAAAAAn9/fwAAAAADzMzMAMDA/wB/f38AAAAAAAAAAAAAAAAAAAAAAAAAAAAhAAAAGAAAABQAAADQAgAAGycAAPAPAABZKQAAEAAAACYAAAAIAAAAAAAAAAAAAAA="/>
               </a:ext>
             </a:extLst>
           </p:cNvSpPr>
@@ -1426,7 +1427,7 @@
           <a:lstStyle/>
           <a:p>
             <a:pPr/>
-            <a:fld id="{1CB557D7-99F1-E0A1-BF0D-6FF41943493A}" type="datetime1">
+            <a:fld id="{0B3B68DD-93E6-6E9E-A883-65CB26CD5E30}" type="datetime1">
               <a:t/>
             </a:fld>
           </a:p>
@@ -1439,7 +1440,7 @@
             <a:spLocks noGrp="1" noChangeArrowheads="1"/>
             <a:extLst>
               <a:ext uri="smNativeData">
-                <pr:smNativeData xmlns:pr="smNativeData" val="SMDATA_13_Na6sYxMAAAAlAAAAZAAAAA8BAAAAkAAAAEgAAACQAAAASAAAAAAAAAABAAAAAAAAAAEAAABQAAAAAAAAAAAA4D8AAAAAAADgPwAAAAAAAOA/AAAAAAAA4D8AAAAAAADgPwAAAAAAAOA/AAAAAAAA4D8AAAAAAADgPwAAAAAAAOA/AAAAAAAA4D8CAAAAjAAAAAAAAAAAAAAAu+DjDP///wgAAAAAAAAAAAAAAAAAAAAAAAAAAAAAAAAAAAAAZAAAAAEAAABAAAAAAAAAAAAAAAAAAAAAAAAAAAAAAAAAAAAAAAAAAAAAAAAAAAAAAAAAAAAAAAAAAAAAAAAAAAAAAAAAAAAAAAAAAAAAAAAAAAAAAAAAAAAAAAAAAAAAFAAAADwAAAAAAAAAAAAAAAAAAAkUAAAAAQAAABQAAAAUAAAAFAAAAAEAAAAAAAAAZAAAAGQAAAAAAAAAZAAAAGQAAAAVAAAAYAAAAAAAAAAAAAAADwAAACADAAAAAAAAAAAAAAEAAACgMgAAVgcAAKr4//8BAAAAf39/AAEAAABkAAAAAAAAABQAAABAHwAAAAAAACYAAAAAAAAAwOD//wAAAAAmAAAAZAAAABYAAABMAAAAAAAAAAAAAAAEAAAAAAAAAAEAAACAgIAKAAAAACgAAAAoAAAAZAAAAGQAAAAAAAAAzMzMAAAAAABQAAAAUAAAAGQAAABkAAAAAAAAABcAAAAUAAAAAAAAAAAAAAD/fwAA/38AAAAAAAAJAAAABAAAABMRBAAMAAAAEAAAAAAAAAAAAAAAAAAAAAAAAAAeAAAAaAAAAAAAAAAAAAAAAAAAAAAAAAAAAAAAECcAABAnAAAAAAAAAAAAAAAAAAAAAAAAAAAAAAAAAAAAAAAAAAAAABQAAAAAAAAAwMD/AAAAAABkAAAAMgAAAAAAAABkAAAAAAAAAH9/fwAKAAAAHwAAAFQAAAAAAAAFAAAAAQAAAAAAAAAAAAAAAAAAAAAAAAAAAAAAAAAAAAAAAAAAAAAAAn9/fwAAAAADzMzMAMDA/wB/f38AAAAAAAAAAAAAAAAAAAAAAAAAAAAhAAAAGAAAABQAAAA4EwAAGycAAAglAABZKQAAEAAAACYAAAAIAAAAAAAAAAAAAAA="/>
+                <pr:smNativeData xmlns:pr="smNativeData" val="SMDATA_13_8OOwYxMAAAAlAAAAZAAAAA8BAAAAkAAAAEgAAACQAAAASAAAAAAAAAABAAAAAAAAAAEAAABQAAAAAAAAAAAA4D8AAAAAAADgPwAAAAAAAOA/AAAAAAAA4D8AAAAAAADgPwAAAAAAAOA/AAAAAAAA4D8AAAAAAADgPwAAAAAAAOA/AAAAAAAA4D8CAAAAjAAAAAAAAAAAAAAAu+DjDP///wgAAAAAAAAAAAAAAAAAAAAAAAAAAAAAAAAAAAAAZAAAAAEAAABAAAAAAAAAAAAAAAAAAAAAAAAAAAAAAAAAAAAAAAAAAAAAAAAAAAAAAAAAAAAAAAAAAAAAAAAAAAAAAAAAAAAAAAAAAAAAAAAAAAAAAAAAAAAAAAAAAAAAFAAAADwAAAAAAAAAAAAAAAAAAAkUAAAAAQAAABQAAAAUAAAAFAAAAAEAAAAAAAAAZAAAAGQAAAAAAAAAZAAAAGQAAAAVAAAAYAAAAAAAAAAAAAAADwAAACADAAAAAAAAAAAAAAEAAACgMgAAVgcAAKr4//8BAAAAf39/AAEAAABkAAAAAAAAABQAAABAHwAAAAAAACYAAAAAAAAAwOD//wAAAAAmAAAAZAAAABYAAABMAAAAAAAAAAAAAAAEAAAAAAAAAAEAAACAgIAKAAAAACgAAAAoAAAAZAAAAGQAAAAAAAAAzMzMAAAAAABQAAAAUAAAAGQAAABkAAAAAAAAABcAAAAUAAAAAAAAAAAAAAD/fwAA/38AAAAAAAAJAAAABAAAABMRBAAMAAAAEAAAAAAAAAAAAAAAAAAAAAAAAAAeAAAAaAAAAAAAAAAAAAAAAAAAAAAAAAAAAAAAECcAABAnAAAAAAAAAAAAAAAAAAAAAAAAAAAAAAAAAAAAAAAAAAAAABQAAAAAAAAAwMD/AAAAAABkAAAAMgAAAAAAAABkAAAAAAAAAH9/fwAKAAAAHwAAAFQAAAAAAAAFAAAAAQAAAAAAAAAAAAAAAAAAAAAAAAAAAAAAAAAAAAAAAAAAAAAAAn9/fwAAAAADzMzMAMDA/wB/f38AAAAAAAAAAAAAAAAAAAAAAAAAAAAhAAAAGAAAABQAAAA4EwAAGycAAAglAABZKQAAEAAAACYAAAAIAAAAAAAAAAAAAAA="/>
               </a:ext>
             </a:extLst>
           </p:cNvSpPr>
@@ -1463,7 +1464,7 @@
             <a:spLocks noGrp="1" noChangeArrowheads="1"/>
             <a:extLst>
               <a:ext uri="smNativeData">
-                <pr:smNativeData xmlns:pr="smNativeData" val="SMDATA_13_Na6sYxMAAAAlAAAAZAAAAA8BAAAAkAAAAEgAAACQAAAASAAAAAAAAAABAAAAAAAAAAEAAABQAAAAAAAAAAAA4D8AAAAAAADgPwAAAAAAAOA/AAAAAAAA4D8AAAAAAADgPwAAAAAAAOA/AAAAAAAA4D8AAAAAAADgPwAAAAAAAOA/AAAAAAAA4D8CAAAAjAAAAAAAAAAAAAAAu+DjDP///wgAAAAAAAAAAAAAAAAAAAAAAAAAAAAAAAAAAAAAZAAAAAEAAABAAAAAAAAAAAAAAAAAAAAAAAAAAAAAAAAAAAAAAAAAAAAAAAAAAAAAAAAAAAAAAAAAAAAAAAAAAAAAAAAAAAAAAAAAAAAAAAAAAAAAAAAAAAAAAAAAAAAAFAAAADwAAAAAAAAAAAAAAAAAAAkUAAAAAQAAABQAAAAUAAAAFAAAAAEAAAAAAAAAZAAAAGQAAAAAAAAAZAAAAGQAAAAVAAAAYAAAAAAAAAAAAAAADwAAACADAAAAAAAAAAAAAAEAAACgMgAAVgcAAKr4//8BAAAAf39/AAEAAABkAAAAAAAAABQAAABAHwAAAAAAACYAAAAAAAAAwOD//wAAAAAmAAAAZAAAABYAAABMAAAAAAAAAAAAAAAEAAAAAAAAAAEAAACAgIAKAAAAACgAAAAoAAAAZAAAAGQAAAAAAAAAzMzMAAAAAABQAAAAUAAAAGQAAABkAAAAAAAAABcAAAAUAAAAAAAAAAAAAAD/fwAA/38AAAAAAAAJAAAABAAAAL5dAwAMAAAAEAAAAAAAAAAAAAAAAAAAAAAAAAAeAAAAaAAAAAAAAAAAAAAAAAAAAAAAAAAAAAAAECcAABAnAAAAAAAAAAAAAAAAAAAAAAAAAAAAAAAAAAAAAAAAAAAAABQAAAAAAAAAwMD/AAAAAABkAAAAMgAAAAAAAABkAAAAAAAAAH9/fwAKAAAAHwAAAFQAAAAAAAAFAAAAAQAAAAAAAAAAAAAAAAAAAAAAAAAAAAAAAAAAAAAAAAAAAAAAAn9/fwAAAAADzMzMAMDA/wB/f38AAAAAAAAAAAAAAAAAAAAAAAAAAAAhAAAAGAAAABQAAABQKAAAGycAAHA1AABZKQAAEAAAACYAAAAIAAAAAAAAAAAAAAA="/>
+                <pr:smNativeData xmlns:pr="smNativeData" val="SMDATA_13_8OOwYxMAAAAlAAAAZAAAAA8BAAAAkAAAAEgAAACQAAAASAAAAAAAAAABAAAAAAAAAAEAAABQAAAAAAAAAAAA4D8AAAAAAADgPwAAAAAAAOA/AAAAAAAA4D8AAAAAAADgPwAAAAAAAOA/AAAAAAAA4D8AAAAAAADgPwAAAAAAAOA/AAAAAAAA4D8CAAAAjAAAAAAAAAAAAAAAu+DjDP///wgAAAAAAAAAAAAAAAAAAAAAAAAAAAAAAAAAAAAAZAAAAAEAAABAAAAAAAAAAAAAAAAAAAAAAAAAAAAAAAAAAAAAAAAAAAAAAAAAAAAAAAAAAAAAAAAAAAAAAAAAAAAAAAAAAAAAAAAAAAAAAAAAAAAAAAAAAAAAAAAAAAAAFAAAADwAAAAAAAAAAAAAAAAAAAkUAAAAAQAAABQAAAAUAAAAFAAAAAEAAAAAAAAAZAAAAGQAAAAAAAAAZAAAAGQAAAAVAAAAYAAAAAAAAAAAAAAADwAAACADAAAAAAAAAAAAAAEAAACgMgAAVgcAAKr4//8BAAAAf39/AAEAAABkAAAAAAAAABQAAABAHwAAAAAAACYAAAAAAAAAwOD//wAAAAAmAAAAZAAAABYAAABMAAAAAAAAAAAAAAAEAAAAAAAAAAEAAACAgIAKAAAAACgAAAAoAAAAZAAAAGQAAAAAAAAAzMzMAAAAAABQAAAAUAAAAGQAAABkAAAAAAAAABcAAAAUAAAAAAAAAAAAAAD/fwAA/38AAAAAAAAJAAAABAAAAL5dAwAMAAAAEAAAAAAAAAAAAAAAAAAAAAAAAAAeAAAAaAAAAAAAAAAAAAAAAAAAAAAAAAAAAAAAECcAABAnAAAAAAAAAAAAAAAAAAAAAAAAAAAAAAAAAAAAAAAAAAAAABQAAAAAAAAAwMD/AAAAAABkAAAAMgAAAAAAAABkAAAAAAAAAH9/fwAKAAAAHwAAAFQAAAAAAAAFAAAAAQAAAAAAAAAAAAAAAAAAAAAAAAAAAAAAAAAAAAAAAAAAAAAAAn9/fwAAAAADzMzMAMDA/wB/f38AAAAAAAAAAAAAAAAAAAAAAAAAAAAhAAAAGAAAABQAAABQKAAAGycAAHA1AABZKQAAEAAAACYAAAAIAAAAAAAAAAAAAAA="/>
               </a:ext>
             </a:extLst>
           </p:cNvSpPr>
@@ -1477,7 +1478,7 @@
           <a:lstStyle/>
           <a:p>
             <a:pPr/>
-            <a:fld id="{1CB53F12-5CF1-E0C9-BF0D-AA9C714349FF}" type="slidenum">
+            <a:fld id="{0B3B292E-60E6-6EDF-A883-968A67CD5EC3}" type="slidenum">
               <a:t/>
             </a:fld>
           </a:p>
@@ -1515,7 +1516,7 @@
             <a:spLocks noGrp="1" noChangeArrowheads="1"/>
             <a:extLst>
               <a:ext uri="smNativeData">
-                <pr:smNativeData xmlns:pr="smNativeData" val="SMDATA_13_Na6sYxMAAAAlAAAAZAAAAA8BAAAAkAAAAEgAAACQAAAASAAAAAAAAAABAAAAAAAAAAEAAABQAAAAAAAAAAAA4D8AAAAAAADgPwAAAAAAAOA/AAAAAAAA4D8AAAAAAADgPwAAAAAAAOA/AAAAAAAA4D8AAAAAAADgPwAAAAAAAOA/AAAAAAAA4D8CAAAAjAAAAAAAAAAAAAAAu+DjDP///wgAAAAAAAAAAAAAAAAAAAAAAAAAAAAAAAAAAAAAZAAAAAEAAABAAAAAAAAAAAAAAAAAAAAAAAAAAAAAAAAAAAAAAAAAAAAAAAAAAAAAAAAAAAAAAAAAAAAAAAAAAAAAAAAAAAAAAAAAAAAAAAAAAAAAAAAAAAAAAAAAAAAAFAAAADwAAAAAAAAAAAAAAAAAAAkUAAAAAQAAABQAAAAUAAAAFAAAAAEAAAAAAAAAZAAAAGQAAAAAAAAAZAAAAGQAAAAVAAAAYAAAAAAAAAAAAAAADwAAACADAAAAAAAAAAAAAAEAAACgMgAAVgcAAKr4//8BAAAAf39/AAEAAABkAAAAAAAAABQAAABAHwAAAAAAACYAAAAAAAAAwOD//wAAAAAmAAAAZAAAABYAAABMAAAAAAAAAAAAAAAEAAAAAAAAAAEAAACAgIAKAAAAACgAAAAoAAAAZAAAAGQAAAAAAAAAzMzMAAAAAABQAAAAUAAAAGQAAABkAAAAAAAAABcAAAAUAAAAAAAAAAAAAAD/fwAA/38AAAAAAAAJAAAABAAAAAQAxWgMAAAAEAAAAAAAAAAAAAAAAAAAAAAAAAAeAAAAaAAAAAAAAAAAAAAAAAAAAAAAAAAAAAAAECcAABAnAAAAAAAAAAAAAAAAAAAAAAAAAAAAAAAAAAAAAAAAAAAAABQAAAAAAAAAwMD/AAAAAABkAAAAMgAAAAAAAABkAAAAAAAAAH9/fwAKAAAAHwAAAFQAAAAAAAAFAAAAAQAAAAAAAAAAAAAAAAAAAAAAAAAAAAAAAAAAAAAAAAAAAAAAAn9/fwAAAAADzMzMAMDA/wB/f38AAAAAAAAAAAAAAAAAAAAAAAAAAAAhAAAAGAAAABQAAADQAgAAsAEAAHA1AAC4CAAAEAAAACYAAAAIAAAAAAAAAAAAAAA="/>
+                <pr:smNativeData xmlns:pr="smNativeData" val="SMDATA_13_8OOwYxMAAAAlAAAAZAAAAA8BAAAAkAAAAEgAAACQAAAASAAAAAAAAAABAAAAAAAAAAEAAABQAAAAAAAAAAAA4D8AAAAAAADgPwAAAAAAAOA/AAAAAAAA4D8AAAAAAADgPwAAAAAAAOA/AAAAAAAA4D8AAAAAAADgPwAAAAAAAOA/AAAAAAAA4D8CAAAAjAAAAAAAAAAAAAAAu+DjDP///wgAAAAAAAAAAAAAAAAAAAAAAAAAAAAAAAAAAAAAZAAAAAEAAABAAAAAAAAAAAAAAAAAAAAAAAAAAAAAAAAAAAAAAAAAAAAAAAAAAAAAAAAAAAAAAAAAAAAAAAAAAAAAAAAAAAAAAAAAAAAAAAAAAAAAAAAAAAAAAAAAAAAAFAAAADwAAAAAAAAAAAAAAAAAAAkUAAAAAQAAABQAAAAUAAAAFAAAAAEAAAAAAAAAZAAAAGQAAAAAAAAAZAAAAGQAAAAVAAAAYAAAAAAAAAAAAAAADwAAACADAAAAAAAAAAAAAAEAAACgMgAAVgcAAKr4//8BAAAAf39/AAEAAABkAAAAAAAAABQAAABAHwAAAAAAACYAAAAAAAAAwOD//wAAAAAmAAAAZAAAABYAAABMAAAAAAAAAAAAAAAEAAAAAAAAAAEAAACAgIAKAAAAACgAAAAoAAAAZAAAAGQAAAAAAAAAzMzMAAAAAABQAAAAUAAAAGQAAABkAAAAAAAAABcAAAAUAAAAAAAAAAAAAAD/fwAA/38AAAAAAAAJAAAABAAAAAQAxWgMAAAAEAAAAAAAAAAAAAAAAAAAAAAAAAAeAAAAaAAAAAAAAAAAAAAAAAAAAAAAAAAAAAAAECcAABAnAAAAAAAAAAAAAAAAAAAAAAAAAAAAAAAAAAAAAAAAAAAAABQAAAAAAAAAwMD/AAAAAABkAAAAMgAAAAAAAABkAAAAAAAAAH9/fwAKAAAAHwAAAFQAAAAAAAAFAAAAAQAAAAAAAAAAAAAAAAAAAAAAAAAAAAAAAAAAAAAAAAAAAAAAAn9/fwAAAAADzMzMAMDA/wB/f38AAAAAAAAAAAAAAAAAAAAAAAAAAAAhAAAAGAAAABQAAADQAgAAsAEAAHA1AAC4CAAAEAAAACYAAAAIAAAAAAAAAAAAAAA="/>
               </a:ext>
             </a:extLst>
           </p:cNvSpPr>
@@ -1542,7 +1543,7 @@
             <a:spLocks noGrp="1" noChangeArrowheads="1"/>
             <a:extLst>
               <a:ext uri="smNativeData">
-                <pr:smNativeData xmlns:pr="smNativeData" val="SMDATA_13_Na6sYxMAAAAlAAAAZAAAAA8BAAAAkAAAAEgAAACQAAAASAAAAAAAAAACAAAAAAAAAAEAAABQAAAAAAAAAAAA4D8AAAAAAADgPwAAAAAAAOA/AAAAAAAA4D8AAAAAAADgPwAAAAAAAOA/AAAAAAAA4D8AAAAAAADgPwAAAAAAAOA/AAAAAAAA4D8CAAAAjAAAAAAAAAAAAAAAu+DjDP///wgAAAAAAAAAAAAAAAAAAAAAAAAAAAAAAAAAAAAAZAAAAAEAAABAAAAAAAAAAAAAAAAAAAAAAAAAAAAAAAAAAAAAAAAAAAAAAAAAAAAAAAAAAAAAAAAAAAAAAAAAAAAAAAAAAAAAAAAAAAAAAAAAAAAAAAAAAAAAAAAAAAAAFAAAADwAAAAAAAAAAAAAAAAAAAkUAAAAAQAAABQAAAAUAAAAFAAAAAEAAAAAAAAAZAAAAGQAAAAAAAAAZAAAAGQAAAAVAAAAYAAAAAAAAAAAAAAADwAAACADAAAAAAAAAAAAAAEAAACgMgAAVgcAAKr4//8BAAAAf39/AAEAAABkAAAAAAAAABQAAABAHwAAAAAAACYAAAAAAAAAwOD//wAAAAAmAAAAZAAAABYAAABMAAAAAAAAAAAAAAAEAAAAAAAAAAEAAACAgIAKAAAAACgAAAAoAAAAZAAAAGQAAAAAAAAAzMzMAAAAAABQAAAAUAAAAGQAAABkAAAAAAAAABcAAAAUAAAAAAAAAAAAAAD/fwAA/38AAAAAAAAJAAAABAAAAAMAbkEMAAAAEAAAAAAAAAAAAAAAAAAAAAAAAAAeAAAAaAAAAAAAAAAAAAAAAAAAAAAAAAAAAAAAECcAABAnAAAAAAAAAAAAAAAAAAAAAAAAAAAAAAAAAAAAAAAAAAAAABQAAAAAAAAAwMD/AAAAAABkAAAAMgAAAAAAAABkAAAAAAAAAH9/fwAKAAAAHwAAAFQAAAAAAAAFAAAAAQAAAAAAAAAAAAAAAAAAAAAAAAAAAAAAAAAAAAAAAAAAAAAAAn9/fwAAAAADzMzMAMDA/wB/f38AAAAAAAAAAAAAAAAAAAAAAAAAAAAhAAAAGAAAABQAAADQAgAAcQkAAKobAABhDQAAEAAAACYAAAAIAAAAgYAAAAAAAAA="/>
+                <pr:smNativeData xmlns:pr="smNativeData" val="SMDATA_13_8OOwYxMAAAAlAAAAZAAAAA8BAAAAkAAAAEgAAACQAAAASAAAAAAAAAACAAAAAAAAAAEAAABQAAAAAAAAAAAA4D8AAAAAAADgPwAAAAAAAOA/AAAAAAAA4D8AAAAAAADgPwAAAAAAAOA/AAAAAAAA4D8AAAAAAADgPwAAAAAAAOA/AAAAAAAA4D8CAAAAjAAAAAAAAAAAAAAAu+DjDP///wgAAAAAAAAAAAAAAAAAAAAAAAAAAAAAAAAAAAAAZAAAAAEAAABAAAAAAAAAAAAAAAAAAAAAAAAAAAAAAAAAAAAAAAAAAAAAAAAAAAAAAAAAAAAAAAAAAAAAAAAAAAAAAAAAAAAAAAAAAAAAAAAAAAAAAAAAAAAAAAAAAAAAFAAAADwAAAAAAAAAAAAAAAAAAAkUAAAAAQAAABQAAAAUAAAAFAAAAAEAAAAAAAAAZAAAAGQAAAAAAAAAZAAAAGQAAAAVAAAAYAAAAAAAAAAAAAAADwAAACADAAAAAAAAAAAAAAEAAACgMgAAVgcAAKr4//8BAAAAf39/AAEAAABkAAAAAAAAABQAAABAHwAAAAAAACYAAAAAAAAAwOD//wAAAAAmAAAAZAAAABYAAABMAAAAAAAAAAAAAAAEAAAAAAAAAAEAAACAgIAKAAAAACgAAAAoAAAAZAAAAGQAAAAAAAAAzMzMAAAAAABQAAAAUAAAAGQAAABkAAAAAAAAABcAAAAUAAAAAAAAAAAAAAD/fwAA/38AAAAAAAAJAAAABAAAAAMAbkEMAAAAEAAAAAAAAAAAAAAAAAAAAAAAAAAeAAAAaAAAAAAAAAAAAAAAAAAAAAAAAAAAAAAAECcAABAnAAAAAAAAAAAAAAAAAAAAAAAAAAAAAAAAAAAAAAAAAAAAABQAAAAAAAAAwMD/AAAAAABkAAAAMgAAAAAAAABkAAAAAAAAAH9/fwAKAAAAHwAAAFQAAAAAAAAFAAAAAQAAAAAAAAAAAAAAAAAAAAAAAAAAAAAAAAAAAAAAAAAAAAAAAn9/fwAAAAADzMzMAMDA/wB/f38AAAAAAAAAAAAAAAAAAAAAAAAAAAAhAAAAGAAAABQAAADQAgAAcQkAAKobAABhDQAAEAAAACYAAAAIAAAAgYAAAAAAAAA="/>
               </a:ext>
             </a:extLst>
           </p:cNvSpPr>
@@ -1615,7 +1616,7 @@
             <a:spLocks noGrp="1" noChangeArrowheads="1"/>
             <a:extLst>
               <a:ext uri="smNativeData">
-                <pr:smNativeData xmlns:pr="smNativeData" val="SMDATA_13_Na6sYxMAAAAlAAAAZAAAAA8BAAAAkAAAAEgAAACQAAAASAAAAAAAAAAAAAAAAAAAAAEAAABQAAAAAAAAAAAA4D8AAAAAAADgPwAAAAAAAOA/AAAAAAAA4D8AAAAAAADgPwAAAAAAAOA/AAAAAAAA4D8AAAAAAADgPwAAAAAAAOA/AAAAAAAA4D8CAAAAjAAAAAAAAAAAAAAAu+DjDP///wgAAAAAAAAAAAAAAAAAAAAAAAAAAAAAAAAAAAAAZAAAAAEAAABAAAAAAAAAAAAAAAAAAAAAAAAAAAAAAAAAAAAAAAAAAAAAAAAAAAAAAAAAAAAAAAAAAAAAAAAAAAAAAAAAAAAAAAAAAAAAAAAAAAAAAAAAAAAAAAAAAAAAFAAAADwAAAAAAAAAAAAAAAAAAAkUAAAAAQAAABQAAAAUAAAAFAAAAAEAAAAAAAAAZAAAAGQAAAAAAAAAZAAAAGQAAAAVAAAAYAAAAAAAAAAAAAAADwAAACADAAAAAAAAAAAAAAEAAACgMgAAVgcAAKr4//8BAAAAf39/AAEAAABkAAAAAAAAABQAAABAHwAAAAAAACYAAAAAAAAAwOD//wAAAAAmAAAAZAAAABYAAABMAAAAAAAAAAAAAAAEAAAAAAAAAAEAAACAgIAKAAAAACgAAAAoAAAAZAAAAGQAAAAAAAAAzMzMAAAAAABQAAAAUAAAAGQAAABkAAAAAAAAABcAAAAUAAAAAAAAAAAAAAD/fwAA/38AAAAAAAAJAAAABAAAAAMAhUEMAAAAEAAAAAAAAAAAAAAAAAAAAAAAAAAeAAAAaAAAAAAAAAAAAAAAAAAAAAAAAAAAAAAAECcAABAnAAAAAAAAAAAAAAAAAAAAAAAAAAAAAAAAAAAAAAAAAAAAABQAAAAAAAAAwMD/AAAAAABkAAAAMgAAAAAAAABkAAAAAAAAAH9/fwAKAAAAHwAAAFQAAAAAAAAFAAAAAQAAAAAAAAAAAAAAAAAAAAAAAAAAAAAAAAAAAAAAAAAAAAAAAn9/fwAAAAADzMzMAMDA/wB/f38AAAAAAAAAAAAAAAAAAAAAAAAAAAAhAAAAGAAAABQAAADQAgAAYQ0AAKobAACwJQAAEAAAACYAAAAIAAAAAYAAAAAAAAA="/>
+                <pr:smNativeData xmlns:pr="smNativeData" val="SMDATA_13_8OOwYxMAAAAlAAAAZAAAAA8BAAAAkAAAAEgAAACQAAAASAAAAAAAAAAAAAAAAAAAAAEAAABQAAAAAAAAAAAA4D8AAAAAAADgPwAAAAAAAOA/AAAAAAAA4D8AAAAAAADgPwAAAAAAAOA/AAAAAAAA4D8AAAAAAADgPwAAAAAAAOA/AAAAAAAA4D8CAAAAjAAAAAAAAAAAAAAAu+DjDP///wgAAAAAAAAAAAAAAAAAAAAAAAAAAAAAAAAAAAAAZAAAAAEAAABAAAAAAAAAAAAAAAAAAAAAAAAAAAAAAAAAAAAAAAAAAAAAAAAAAAAAAAAAAAAAAAAAAAAAAAAAAAAAAAAAAAAAAAAAAAAAAAAAAAAAAAAAAAAAAAAAAAAAFAAAADwAAAAAAAAAAAAAAAAAAAkUAAAAAQAAABQAAAAUAAAAFAAAAAEAAAAAAAAAZAAAAGQAAAAAAAAAZAAAAGQAAAAVAAAAYAAAAAAAAAAAAAAADwAAACADAAAAAAAAAAAAAAEAAACgMgAAVgcAAKr4//8BAAAAf39/AAEAAABkAAAAAAAAABQAAABAHwAAAAAAACYAAAAAAAAAwOD//wAAAAAmAAAAZAAAABYAAABMAAAAAAAAAAAAAAAEAAAAAAAAAAEAAACAgIAKAAAAACgAAAAoAAAAZAAAAGQAAAAAAAAAzMzMAAAAAABQAAAAUAAAAGQAAABkAAAAAAAAABcAAAAUAAAAAAAAAAAAAAD/fwAA/38AAAAAAAAJAAAABAAAAAMAhUEMAAAAEAAAAAAAAAAAAAAAAAAAAAAAAAAeAAAAaAAAAAAAAAAAAAAAAAAAAAAAAAAAAAAAECcAABAnAAAAAAAAAAAAAAAAAAAAAAAAAAAAAAAAAAAAAAAAAAAAABQAAAAAAAAAwMD/AAAAAABkAAAAMgAAAAAAAABkAAAAAAAAAH9/fwAKAAAAHwAAAFQAAAAAAAAFAAAAAQAAAAAAAAAAAAAAAAAAAAAAAAAAAAAAAAAAAAAAAAAAAAAAAn9/fwAAAAADzMzMAMDA/wB/f38AAAAAAAAAAAAAAAAAAAAAAAAAAAAhAAAAGAAAABQAAADQAgAAYQ0AAKobAACwJQAAEAAAACYAAAAIAAAAAYAAAAAAAAA="/>
               </a:ext>
             </a:extLst>
           </p:cNvSpPr>
@@ -1699,7 +1700,7 @@
             <a:spLocks noGrp="1" noChangeArrowheads="1"/>
             <a:extLst>
               <a:ext uri="smNativeData">
-                <pr:smNativeData xmlns:pr="smNativeData" val="SMDATA_13_Na6sYxMAAAAlAAAAZAAAAA8BAAAAkAAAAEgAAACQAAAASAAAAAAAAAACAAAAAAAAAAEAAABQAAAAAAAAAAAA4D8AAAAAAADgPwAAAAAAAOA/AAAAAAAA4D8AAAAAAADgPwAAAAAAAOA/AAAAAAAA4D8AAAAAAADgPwAAAAAAAOA/AAAAAAAA4D8CAAAAjAAAAAAAAAAAAAAAu+DjDP///wgAAAAAAAAAAAAAAAAAAAAAAAAAAAAAAAAAAAAAZAAAAAEAAABAAAAAAAAAAAAAAAAAAAAAAAAAAAAAAAAAAAAAAAAAAAAAAAAAAAAAAAAAAAAAAAAAAAAAAAAAAAAAAAAAAAAAAAAAAAAAAAAAAAAAAAAAAAAAAAAAAAAAFAAAADwAAAAAAAAAAAAAAAAAAAkUAAAAAQAAABQAAAAUAAAAFAAAAAEAAAAAAAAAZAAAAGQAAAAAAAAAZAAAAGQAAAAVAAAAYAAAAAAAAAAAAAAADwAAACADAAAAAAAAAAAAAAEAAACgMgAAVgcAAKr4//8BAAAAf39/AAEAAABkAAAAAAAAABQAAABAHwAAAAAAACYAAAAAAAAAwOD//wAAAAAmAAAAZAAAABYAAABMAAAAAAAAAAAAAAAEAAAAAAAAAAEAAACAgIAKAAAAACgAAAAoAAAAZAAAAGQAAAAAAAAAzMzMAAAAAABQAAAAUAAAAGQAAABkAAAAAAAAABcAAAAUAAAAAAAAAAAAAAD/fwAA/38AAAAAAAAJAAAABAAAAOOYAwAMAAAAEAAAAAAAAAAAAAAAAAAAAAAAAAAeAAAAaAAAAAAAAAAAAAAAAAAAAAAAAAAAAAAAECcAABAnAAAAAAAAAAAAAAAAAAAAAAAAAAAAAAAAAAAAAAAAAAAAABQAAAAAAAAAwMD/AAAAAABkAAAAMgAAAAAAAABkAAAAAAAAAH9/fwAKAAAAHwAAAFQAAAAAAAAFAAAAAQAAAAAAAAAAAAAAAAAAAAAAAAAAAAAAAAAAAAAAAAAAAAAAAn9/fwAAAAADzMzMAMDA/wB/f38AAAAAAAAAAAAAAAAAAAAAAAAAAAAhAAAAGAAAABQAAACWHAAAcQkAAHA1AABhDQAAEAAAACYAAAAIAAAAgYAAAAAAAAA="/>
+                <pr:smNativeData xmlns:pr="smNativeData" val="SMDATA_13_8OOwYxMAAAAlAAAAZAAAAA8BAAAAkAAAAEgAAACQAAAASAAAAAAAAAACAAAAAAAAAAEAAABQAAAAAAAAAAAA4D8AAAAAAADgPwAAAAAAAOA/AAAAAAAA4D8AAAAAAADgPwAAAAAAAOA/AAAAAAAA4D8AAAAAAADgPwAAAAAAAOA/AAAAAAAA4D8CAAAAjAAAAAAAAAAAAAAAu+DjDP///wgAAAAAAAAAAAAAAAAAAAAAAAAAAAAAAAAAAAAAZAAAAAEAAABAAAAAAAAAAAAAAAAAAAAAAAAAAAAAAAAAAAAAAAAAAAAAAAAAAAAAAAAAAAAAAAAAAAAAAAAAAAAAAAAAAAAAAAAAAAAAAAAAAAAAAAAAAAAAAAAAAAAAFAAAADwAAAAAAAAAAAAAAAAAAAkUAAAAAQAAABQAAAAUAAAAFAAAAAEAAAAAAAAAZAAAAGQAAAAAAAAAZAAAAGQAAAAVAAAAYAAAAAAAAAAAAAAADwAAACADAAAAAAAAAAAAAAEAAACgMgAAVgcAAKr4//8BAAAAf39/AAEAAABkAAAAAAAAABQAAABAHwAAAAAAACYAAAAAAAAAwOD//wAAAAAmAAAAZAAAABYAAABMAAAAAAAAAAAAAAAEAAAAAAAAAAEAAACAgIAKAAAAACgAAAAoAAAAZAAAAGQAAAAAAAAAzMzMAAAAAABQAAAAUAAAAGQAAABkAAAAAAAAABcAAAAUAAAAAAAAAAAAAAD/fwAA/38AAAAAAAAJAAAABAAAAOOYAwAMAAAAEAAAAAAAAAAAAAAAAAAAAAAAAAAeAAAAaAAAAAAAAAAAAAAAAAAAAAAAAAAAAAAAECcAABAnAAAAAAAAAAAAAAAAAAAAAAAAAAAAAAAAAAAAAAAAAAAAABQAAAAAAAAAwMD/AAAAAABkAAAAMgAAAAAAAABkAAAAAAAAAH9/fwAKAAAAHwAAAFQAAAAAAAAFAAAAAQAAAAAAAAAAAAAAAAAAAAAAAAAAAAAAAAAAAAAAAAAAAAAAAn9/fwAAAAADzMzMAMDA/wB/f38AAAAAAAAAAAAAAAAAAAAAAAAAAAAhAAAAGAAAABQAAACWHAAAcQkAAHA1AABhDQAAEAAAACYAAAAIAAAAgYAAAAAAAAA="/>
               </a:ext>
             </a:extLst>
           </p:cNvSpPr>
@@ -1772,7 +1773,7 @@
             <a:spLocks noGrp="1" noChangeArrowheads="1"/>
             <a:extLst>
               <a:ext uri="smNativeData">
-                <pr:smNativeData xmlns:pr="smNativeData" val="SMDATA_13_Na6sYxMAAAAlAAAAZAAAAA8BAAAAkAAAAEgAAACQAAAASAAAAAAAAAAAAAAAAAAAAAEAAABQAAAAAAAAAAAA4D8AAAAAAADgPwAAAAAAAOA/AAAAAAAA4D8AAAAAAADgPwAAAAAAAOA/AAAAAAAA4D8AAAAAAADgPwAAAAAAAOA/AAAAAAAA4D8CAAAAjAAAAAAAAAAAAAAAu+DjDP///wgAAAAAAAAAAAAAAAAAAAAAAAAAAAAAAAAAAAAAZAAAAAEAAABAAAAAAAAAAAAAAAAAAAAAAAAAAAAAAAAAAAAAAAAAAAAAAAAAAAAAAAAAAAAAAAAAAAAAAAAAAAAAAAAAAAAAAAAAAAAAAAAAAAAAAAAAAAAAAAAAAAAAFAAAADwAAAAAAAAAAAAAAAAAAAkUAAAAAQAAABQAAAAUAAAAFAAAAAEAAAAAAAAAZAAAAGQAAAAAAAAAZAAAAGQAAAAVAAAAYAAAAAAAAAAAAAAADwAAACADAAAAAAAAAAAAAAEAAACgMgAAVgcAAKr4//8BAAAAf39/AAEAAABkAAAAAAAAABQAAABAHwAAAAAAACYAAAAAAAAAwOD//wAAAAAmAAAAZAAAABYAAABMAAAAAAAAAAAAAAAEAAAAAAAAAAEAAACAgIAKAAAAACgAAAAoAAAAZAAAAGQAAAAAAAAAzMzMAAAAAABQAAAAUAAAAGQAAABkAAAAAAAAABcAAAAUAAAAAAAAAAAAAAD/fwAA/38AAAAAAAAJAAAABAAAAAMAjgwMAAAAEAAAAAAAAAAAAAAAAAAAAAAAAAAeAAAAaAAAAAAAAAAAAAAAAAAAAAAAAAAAAAAAECcAABAnAAAAAAAAAAAAAAAAAAAAAAAAAAAAAAAAAAAAAAAAAAAAABQAAAAAAAAAwMD/AAAAAABkAAAAMgAAAAAAAABkAAAAAAAAAH9/fwAKAAAAHwAAAFQAAAAAAAAFAAAAAQAAAAAAAAAAAAAAAAAAAAAAAAAAAAAAAAAAAAAAAAAAAAAAAn9/fwAAAAADzMzMAMDA/wB/f38AAAAAAAAAAAAAAAAAAAAAAAAAAAAhAAAAGAAAABQAAACWHAAAYQ0AAHA1AACwJQAAEAAAACYAAAAIAAAAAYAAAAAAAAA="/>
+                <pr:smNativeData xmlns:pr="smNativeData" val="SMDATA_13_8OOwYxMAAAAlAAAAZAAAAA8BAAAAkAAAAEgAAACQAAAASAAAAAAAAAAAAAAAAAAAAAEAAABQAAAAAAAAAAAA4D8AAAAAAADgPwAAAAAAAOA/AAAAAAAA4D8AAAAAAADgPwAAAAAAAOA/AAAAAAAA4D8AAAAAAADgPwAAAAAAAOA/AAAAAAAA4D8CAAAAjAAAAAAAAAAAAAAAu+DjDP///wgAAAAAAAAAAAAAAAAAAAAAAAAAAAAAAAAAAAAAZAAAAAEAAABAAAAAAAAAAAAAAAAAAAAAAAAAAAAAAAAAAAAAAAAAAAAAAAAAAAAAAAAAAAAAAAAAAAAAAAAAAAAAAAAAAAAAAAAAAAAAAAAAAAAAAAAAAAAAAAAAAAAAFAAAADwAAAAAAAAAAAAAAAAAAAkUAAAAAQAAABQAAAAUAAAAFAAAAAEAAAAAAAAAZAAAAGQAAAAAAAAAZAAAAGQAAAAVAAAAYAAAAAAAAAAAAAAADwAAACADAAAAAAAAAAAAAAEAAACgMgAAVgcAAKr4//8BAAAAf39/AAEAAABkAAAAAAAAABQAAABAHwAAAAAAACYAAAAAAAAAwOD//wAAAAAmAAAAZAAAABYAAABMAAAAAAAAAAAAAAAEAAAAAAAAAAEAAACAgIAKAAAAACgAAAAoAAAAZAAAAGQAAAAAAAAAzMzMAAAAAABQAAAAUAAAAGQAAABkAAAAAAAAABcAAAAUAAAAAAAAAAAAAAD/fwAA/38AAAAAAAAJAAAABAAAAAMAjgwMAAAAEAAAAAAAAAAAAAAAAAAAAAAAAAAeAAAAaAAAAAAAAAAAAAAAAAAAAAAAAAAAAAAAECcAABAnAAAAAAAAAAAAAAAAAAAAAAAAAAAAAAAAAAAAAAAAAAAAABQAAAAAAAAAwMD/AAAAAABkAAAAMgAAAAAAAABkAAAAAAAAAH9/fwAKAAAAHwAAAFQAAAAAAAAFAAAAAQAAAAAAAAAAAAAAAAAAAAAAAAAAAAAAAAAAAAAAAAAAAAAAAn9/fwAAAAADzMzMAMDA/wB/f38AAAAAAAAAAAAAAAAAAAAAAAAAAAAhAAAAGAAAABQAAACWHAAAYQ0AAHA1AACwJQAAEAAAACYAAAAIAAAAAYAAAAAAAAA="/>
               </a:ext>
             </a:extLst>
           </p:cNvSpPr>
@@ -1856,7 +1857,7 @@
             <a:spLocks noGrp="1" noChangeArrowheads="1"/>
             <a:extLst>
               <a:ext uri="smNativeData">
-                <pr:smNativeData xmlns:pr="smNativeData" val="SMDATA_13_Na6sYxMAAAAlAAAAZAAAAA8BAAAAkAAAAEgAAACQAAAASAAAAAAAAAABAAAAAAAAAAEAAABQAAAAAAAAAAAA4D8AAAAAAADgPwAAAAAAAOA/AAAAAAAA4D8AAAAAAADgPwAAAAAAAOA/AAAAAAAA4D8AAAAAAADgPwAAAAAAAOA/AAAAAAAA4D8CAAAAjAAAAAAAAAAAAAAAu+DjDP///wgAAAAAAAAAAAAAAAAAAAAAAAAAAAAAAAAAAAAAZAAAAAEAAABAAAAAAAAAAAAAAAAAAAAAAAAAAAAAAAAAAAAAAAAAAAAAAAAAAAAAAAAAAAAAAAAAAAAAAAAAAAAAAAAAAAAAAAAAAAAAAAAAAAAAAAAAAAAAAAAAAAAAFAAAADwAAAAAAAAAAAAAAAAAAAkUAAAAAQAAABQAAAAUAAAAFAAAAAEAAAAAAAAAZAAAAGQAAAAAAAAAZAAAAGQAAAAVAAAAYAAAAAAAAAAAAAAADwAAACADAAAAAAAAAAAAAAEAAACgMgAAVgcAAKr4//8BAAAAf39/AAEAAABkAAAAAAAAABQAAABAHwAAAAAAACYAAAAAAAAAwOD//wAAAAAmAAAAZAAAABYAAABMAAAAAAAAAAAAAAAEAAAAAAAAAAEAAACAgIAKAAAAACgAAAAoAAAAZAAAAGQAAAAAAAAAzMzMAAAAAABQAAAAUAAAAGQAAABkAAAAAAAAABcAAAAUAAAAAAAAAAAAAAD/fwAA/38AAAAAAAAJAAAABAAAAM9Aa2gMAAAAEAAAAAAAAAAAAAAAAAAAAAAAAAAeAAAAaAAAAAAAAAAAAAAAAAAAAAAAAAAAAAAAECcAABAnAAAAAAAAAAAAAAAAAAAAAAAAAAAAAAAAAAAAAAAAAAAAABQAAAAAAAAAwMD/AAAAAABkAAAAMgAAAAAAAABkAAAAAAAAAH9/fwAKAAAAHwAAAFQAAAAAAAAFAAAAAQAAAAAAAAAAAAAAAAAAAAAAAAAAAAAAAAAAAAAAAAAAAAAAAn9/fwAAAAADzMzMAMDA/wB/f38AAAAAAAAAAAAAAAAAAAAAAAAAAAAhAAAAGAAAABQAAADQAgAAGycAAPAPAABZKQAAEAAAACYAAAAIAAAAAAAAAAAAAAA="/>
+                <pr:smNativeData xmlns:pr="smNativeData" val="SMDATA_13_8OOwYxMAAAAlAAAAZAAAAA8BAAAAkAAAAEgAAACQAAAASAAAAAAAAAABAAAAAAAAAAEAAABQAAAAAAAAAAAA4D8AAAAAAADgPwAAAAAAAOA/AAAAAAAA4D8AAAAAAADgPwAAAAAAAOA/AAAAAAAA4D8AAAAAAADgPwAAAAAAAOA/AAAAAAAA4D8CAAAAjAAAAAAAAAAAAAAAu+DjDP///wgAAAAAAAAAAAAAAAAAAAAAAAAAAAAAAAAAAAAAZAAAAAEAAABAAAAAAAAAAAAAAAAAAAAAAAAAAAAAAAAAAAAAAAAAAAAAAAAAAAAAAAAAAAAAAAAAAAAAAAAAAAAAAAAAAAAAAAAAAAAAAAAAAAAAAAAAAAAAAAAAAAAAFAAAADwAAAAAAAAAAAAAAAAAAAkUAAAAAQAAABQAAAAUAAAAFAAAAAEAAAAAAAAAZAAAAGQAAAAAAAAAZAAAAGQAAAAVAAAAYAAAAAAAAAAAAAAADwAAACADAAAAAAAAAAAAAAEAAACgMgAAVgcAAKr4//8BAAAAf39/AAEAAABkAAAAAAAAABQAAABAHwAAAAAAACYAAAAAAAAAwOD//wAAAAAmAAAAZAAAABYAAABMAAAAAAAAAAAAAAAEAAAAAAAAAAEAAACAgIAKAAAAACgAAAAoAAAAZAAAAGQAAAAAAAAAzMzMAAAAAABQAAAAUAAAAGQAAABkAAAAAAAAABcAAAAUAAAAAAAAAAAAAAD/fwAA/38AAAAAAAAJAAAABAAAAM9Aa2gMAAAAEAAAAAAAAAAAAAAAAAAAAAAAAAAeAAAAaAAAAAAAAAAAAAAAAAAAAAAAAAAAAAAAECcAABAnAAAAAAAAAAAAAAAAAAAAAAAAAAAAAAAAAAAAAAAAAAAAABQAAAAAAAAAwMD/AAAAAABkAAAAMgAAAAAAAABkAAAAAAAAAH9/fwAKAAAAHwAAAFQAAAAAAAAFAAAAAQAAAAAAAAAAAAAAAAAAAAAAAAAAAAAAAAAAAAAAAAAAAAAAAn9/fwAAAAADzMzMAMDA/wB/f38AAAAAAAAAAAAAAAAAAAAAAAAAAAAhAAAAGAAAABQAAADQAgAAGycAAPAPAABZKQAAEAAAACYAAAAIAAAAAAAAAAAAAAA="/>
               </a:ext>
             </a:extLst>
           </p:cNvSpPr>
@@ -1870,7 +1871,7 @@
           <a:lstStyle/>
           <a:p>
             <a:pPr/>
-            <a:fld id="{1CB52C52-1CF1-E0DA-BF0D-EA8F624349BF}" type="datetime1">
+            <a:fld id="{0B3B5401-4FE6-6EA2-A883-B9F71ACD5EEC}" type="datetime1">
               <a:t/>
             </a:fld>
           </a:p>
@@ -1883,7 +1884,7 @@
             <a:spLocks noGrp="1" noChangeArrowheads="1"/>
             <a:extLst>
               <a:ext uri="smNativeData">
-                <pr:smNativeData xmlns:pr="smNativeData" val="SMDATA_13_Na6sYxMAAAAlAAAAZAAAAA8BAAAAkAAAAEgAAACQAAAASAAAAAAAAAABAAAAAAAAAAEAAABQAAAAAAAAAAAA4D8AAAAAAADgPwAAAAAAAOA/AAAAAAAA4D8AAAAAAADgPwAAAAAAAOA/AAAAAAAA4D8AAAAAAADgPwAAAAAAAOA/AAAAAAAA4D8CAAAAjAAAAAAAAAAAAAAAu+DjDP///wgAAAAAAAAAAAAAAAAAAAAAAAAAAAAAAAAAAAAAZAAAAAEAAABAAAAAAAAAAAAAAAAAAAAAAAAAAAAAAAAAAAAAAAAAAAAAAAAAAAAAAAAAAAAAAAAAAAAAAAAAAAAAAAAAAAAAAAAAAAAAAAAAAAAAAAAAAAAAAAAAAAAAFAAAADwAAAAAAAAAAAAAAAAAAAkUAAAAAQAAABQAAAAUAAAAFAAAAAEAAAAAAAAAZAAAAGQAAAAAAAAAZAAAAGQAAAAVAAAAYAAAAAAAAAAAAAAADwAAACADAAAAAAAAAAAAAAEAAACgMgAAVgcAAKr4//8BAAAAf39/AAEAAABkAAAAAAAAABQAAABAHwAAAAAAACYAAAAAAAAAwOD//wAAAAAmAAAAZAAAABYAAABMAAAAAAAAAAAAAAAEAAAAAAAAAAEAAACAgIAKAAAAACgAAAAoAAAAZAAAAGQAAAAAAAAAzMzMAAAAAABQAAAAUAAAAGQAAABkAAAAAAAAABcAAAAUAAAAAAAAAAAAAAD/fwAA/38AAAAAAAAJAAAABAAAAHJ+AwAMAAAAEAAAAAAAAAAAAAAAAAAAAAAAAAAeAAAAaAAAAAAAAAAAAAAAAAAAAAAAAAAAAAAAECcAABAnAAAAAAAAAAAAAAAAAAAAAAAAAAAAAAAAAAAAAAAAAAAAABQAAAAAAAAAwMD/AAAAAABkAAAAMgAAAAAAAABkAAAAAAAAAH9/fwAKAAAAHwAAAFQAAAAAAAAFAAAAAQAAAAAAAAAAAAAAAAAAAAAAAAAAAAAAAAAAAAAAAAAAAAAAAn9/fwAAAAADzMzMAMDA/wB/f38AAAAAAAAAAAAAAAAAAAAAAAAAAAAhAAAAGAAAABQAAAA4EwAAGycAAAglAABZKQAAEAAAACYAAAAIAAAAAAAAAAAAAAA="/>
+                <pr:smNativeData xmlns:pr="smNativeData" val="SMDATA_13_8OOwYxMAAAAlAAAAZAAAAA8BAAAAkAAAAEgAAACQAAAASAAAAAAAAAABAAAAAAAAAAEAAABQAAAAAAAAAAAA4D8AAAAAAADgPwAAAAAAAOA/AAAAAAAA4D8AAAAAAADgPwAAAAAAAOA/AAAAAAAA4D8AAAAAAADgPwAAAAAAAOA/AAAAAAAA4D8CAAAAjAAAAAAAAAAAAAAAu+DjDP///wgAAAAAAAAAAAAAAAAAAAAAAAAAAAAAAAAAAAAAZAAAAAEAAABAAAAAAAAAAAAAAAAAAAAAAAAAAAAAAAAAAAAAAAAAAAAAAAAAAAAAAAAAAAAAAAAAAAAAAAAAAAAAAAAAAAAAAAAAAAAAAAAAAAAAAAAAAAAAAAAAAAAAFAAAADwAAAAAAAAAAAAAAAAAAAkUAAAAAQAAABQAAAAUAAAAFAAAAAEAAAAAAAAAZAAAAGQAAAAAAAAAZAAAAGQAAAAVAAAAYAAAAAAAAAAAAAAADwAAACADAAAAAAAAAAAAAAEAAACgMgAAVgcAAKr4//8BAAAAf39/AAEAAABkAAAAAAAAABQAAABAHwAAAAAAACYAAAAAAAAAwOD//wAAAAAmAAAAZAAAABYAAABMAAAAAAAAAAAAAAAEAAAAAAAAAAEAAACAgIAKAAAAACgAAAAoAAAAZAAAAGQAAAAAAAAAzMzMAAAAAABQAAAAUAAAAGQAAABkAAAAAAAAABcAAAAUAAAAAAAAAAAAAAD/fwAA/38AAAAAAAAJAAAABAAAAHJ+AwAMAAAAEAAAAAAAAAAAAAAAAAAAAAAAAAAeAAAAaAAAAAAAAAAAAAAAAAAAAAAAAAAAAAAAECcAABAnAAAAAAAAAAAAAAAAAAAAAAAAAAAAAAAAAAAAAAAAAAAAABQAAAAAAAAAwMD/AAAAAABkAAAAMgAAAAAAAABkAAAAAAAAAH9/fwAKAAAAHwAAAFQAAAAAAAAFAAAAAQAAAAAAAAAAAAAAAAAAAAAAAAAAAAAAAAAAAAAAAAAAAAAAAn9/fwAAAAADzMzMAMDA/wB/f38AAAAAAAAAAAAAAAAAAAAAAAAAAAAhAAAAGAAAABQAAAA4EwAAGycAAAglAABZKQAAEAAAACYAAAAIAAAAAAAAAAAAAAA="/>
               </a:ext>
             </a:extLst>
           </p:cNvSpPr>
@@ -1907,7 +1908,7 @@
             <a:spLocks noGrp="1" noChangeArrowheads="1"/>
             <a:extLst>
               <a:ext uri="smNativeData">
-                <pr:smNativeData xmlns:pr="smNativeData" val="SMDATA_13_Na6sYxMAAAAlAAAAZAAAAA8BAAAAkAAAAEgAAACQAAAASAAAAAAAAAABAAAAAAAAAAEAAABQAAAAAAAAAAAA4D8AAAAAAADgPwAAAAAAAOA/AAAAAAAA4D8AAAAAAADgPwAAAAAAAOA/AAAAAAAA4D8AAAAAAADgPwAAAAAAAOA/AAAAAAAA4D8CAAAAjAAAAAAAAAAAAAAAu+DjDP///wgAAAAAAAAAAAAAAAAAAAAAAAAAAAAAAAAAAAAAZAAAAAEAAABAAAAAAAAAAAAAAAAAAAAAAAAAAAAAAAAAAAAAAAAAAAAAAAAAAAAAAAAAAAAAAAAAAAAAAAAAAAAAAAAAAAAAAAAAAAAAAAAAAAAAAAAAAAAAAAAAAAAAFAAAADwAAAAAAAAAAAAAAAAAAAkUAAAAAQAAABQAAAAUAAAAFAAAAAEAAAAAAAAAZAAAAGQAAAAAAAAAZAAAAGQAAAAVAAAAYAAAAAAAAAAAAAAADwAAACADAAAAAAAAAAAAAAEAAACgMgAAVgcAAKr4//8BAAAAf39/AAEAAABkAAAAAAAAABQAAABAHwAAAAAAACYAAAAAAAAAwOD//wAAAAAmAAAAZAAAABYAAABMAAAAAAAAAAAAAAAEAAAAAAAAAAEAAACAgIAKAAAAACgAAAAoAAAAZAAAAGQAAAAAAAAAzMzMAAAAAABQAAAAUAAAAGQAAABkAAAAAAAAABcAAAAUAAAAAAAAAAAAAAD/fwAA/38AAAAAAAAJAAAABAAAAKVGcaEMAAAAEAAAAAAAAAAAAAAAAAAAAAAAAAAeAAAAaAAAAAAAAAAAAAAAAAAAAAAAAAAAAAAAECcAABAnAAAAAAAAAAAAAAAAAAAAAAAAAAAAAAAAAAAAAAAAAAAAABQAAAAAAAAAwMD/AAAAAABkAAAAMgAAAAAAAABkAAAAAAAAAH9/fwAKAAAAHwAAAFQAAAAAAAAFAAAAAQAAAAAAAAAAAAAAAAAAAAAAAAAAAAAAAAAAAAAAAAAAAAAAAn9/fwAAAAADzMzMAMDA/wB/f38AAAAAAAAAAAAAAAAAAAAAAAAAAAAhAAAAGAAAABQAAABQKAAAGycAAHA1AABZKQAAEAAAACYAAAAIAAAAAAAAAAAAAAA="/>
+                <pr:smNativeData xmlns:pr="smNativeData" val="SMDATA_13_8OOwYxMAAAAlAAAAZAAAAA8BAAAAkAAAAEgAAACQAAAASAAAAAAAAAABAAAAAAAAAAEAAABQAAAAAAAAAAAA4D8AAAAAAADgPwAAAAAAAOA/AAAAAAAA4D8AAAAAAADgPwAAAAAAAOA/AAAAAAAA4D8AAAAAAADgPwAAAAAAAOA/AAAAAAAA4D8CAAAAjAAAAAAAAAAAAAAAu+DjDP///wgAAAAAAAAAAAAAAAAAAAAAAAAAAAAAAAAAAAAAZAAAAAEAAABAAAAAAAAAAAAAAAAAAAAAAAAAAAAAAAAAAAAAAAAAAAAAAAAAAAAAAAAAAAAAAAAAAAAAAAAAAAAAAAAAAAAAAAAAAAAAAAAAAAAAAAAAAAAAAAAAAAAAFAAAADwAAAAAAAAAAAAAAAAAAAkUAAAAAQAAABQAAAAUAAAAFAAAAAEAAAAAAAAAZAAAAGQAAAAAAAAAZAAAAGQAAAAVAAAAYAAAAAAAAAAAAAAADwAAACADAAAAAAAAAAAAAAEAAACgMgAAVgcAAKr4//8BAAAAf39/AAEAAABkAAAAAAAAABQAAABAHwAAAAAAACYAAAAAAAAAwOD//wAAAAAmAAAAZAAAABYAAABMAAAAAAAAAAAAAAAEAAAAAAAAAAEAAACAgIAKAAAAACgAAAAoAAAAZAAAAGQAAAAAAAAAzMzMAAAAAABQAAAAUAAAAGQAAABkAAAAAAAAABcAAAAUAAAAAAAAAAAAAAD/fwAA/38AAAAAAAAJAAAABAAAAKVGcaEMAAAAEAAAAAAAAAAAAAAAAAAAAAAAAAAeAAAAaAAAAAAAAAAAAAAAAAAAAAAAAAAAAAAAECcAABAnAAAAAAAAAAAAAAAAAAAAAAAAAAAAAAAAAAAAAAAAAAAAABQAAAAAAAAAwMD/AAAAAABkAAAAMgAAAAAAAABkAAAAAAAAAH9/fwAKAAAAHwAAAFQAAAAAAAAFAAAAAQAAAAAAAAAAAAAAAAAAAAAAAAAAAAAAAAAAAAAAAAAAAAAAAn9/fwAAAAADzMzMAMDA/wB/f38AAAAAAAAAAAAAAAAAAAAAAAAAAAAhAAAAGAAAABQAAABQKAAAGycAAHA1AABZKQAAEAAAACYAAAAIAAAAAAAAAAAAAAA="/>
               </a:ext>
             </a:extLst>
           </p:cNvSpPr>
@@ -1921,7 +1922,7 @@
           <a:lstStyle/>
           <a:p>
             <a:pPr/>
-            <a:fld id="{1CB56D6F-21F1-E09B-BF0D-D7CE23434982}" type="slidenum">
+            <a:fld id="{0B3B2AD7-99E6-6EDC-A883-6F8964CD5E3A}" type="slidenum">
               <a:t/>
             </a:fld>
           </a:p>
@@ -1959,7 +1960,7 @@
             <a:spLocks noGrp="1" noChangeArrowheads="1"/>
             <a:extLst>
               <a:ext uri="smNativeData">
-                <pr:smNativeData xmlns:pr="smNativeData" val="SMDATA_13_Na6sYxMAAAAlAAAAZAAAAA8BAAAAkAAAAEgAAACQAAAASAAAAAAAAAABAAAAAAAAAAEAAABQAAAAAAAAAAAA4D8AAAAAAADgPwAAAAAAAOA/AAAAAAAA4D8AAAAAAADgPwAAAAAAAOA/AAAAAAAA4D8AAAAAAADgPwAAAAAAAOA/AAAAAAAA4D8CAAAAjAAAAAAAAAAAAAAAu+DjDP///wgAAAAAAAAAAAAAAAAAAAAAAAAAAAAAAAAAAAAAZAAAAAEAAABAAAAAAAAAAAAAAAAAAAAAAAAAAAAAAAAAAAAAAAAAAAAAAAAAAAAAAAAAAAAAAAAAAAAAAAAAAAAAAAAAAAAAAAAAAAAAAAAAAAAAAAAAAAAAAAAAAAAAFAAAADwAAAAAAAAAAAAAAAAAAAkUAAAAAQAAABQAAAAUAAAAFAAAAAEAAAAAAAAAZAAAAGQAAAAAAAAAZAAAAGQAAAAVAAAAYAAAAAAAAAAAAAAADwAAACADAAAAAAAAAAAAAAEAAACgMgAAVgcAAKr4//8BAAAAf39/AAEAAABkAAAAAAAAABQAAABAHwAAAAAAACYAAAAAAAAAwOD//wAAAAAmAAAAZAAAABYAAABMAAAAAAAAAAAAAAAEAAAAAAAAAAEAAACAgIAKAAAAACgAAAAoAAAAZAAAAGQAAAAAAAAAzMzMAAAAAABQAAAAUAAAAGQAAABkAAAAAAAAABcAAAAUAAAAAAAAAAAAAAD/fwAA/38AAAAAAAAJAAAABAAAAAAAAAAMAAAAEAAAAAAAAAAAAAAAAAAAAAAAAAAeAAAAaAAAAAAAAAAAAAAAAAAAAAAAAAAAAAAAECcAABAnAAAAAAAAAAAAAAAAAAAAAAAAAAAAAAAAAAAAAAAAAAAAABQAAAAAAAAAwMD/AAAAAABkAAAAMgAAAAAAAABkAAAAAAAAAH9/fwAKAAAAHwAAAFQAAAAAAAAFAAAAAQAAAAAAAAAAAAAAAAAAAAAAAAAAAAAAAAAAAAAAAAAAAAAAAn9/fwAAAAADzMzMAMDA/wB/f38AAAAAAAAAAAAAAAAAAAAAAAAAAAAhAAAAGAAAABQAAADQAgAAsAEAAHA1AAC4CAAAEAAAACYAAAAIAAAAAAAAAAAAAAA="/>
+                <pr:smNativeData xmlns:pr="smNativeData" val="SMDATA_13_8OOwYxMAAAAlAAAAZAAAAA8BAAAAkAAAAEgAAACQAAAASAAAAAAAAAABAAAAAAAAAAEAAABQAAAAAAAAAAAA4D8AAAAAAADgPwAAAAAAAOA/AAAAAAAA4D8AAAAAAADgPwAAAAAAAOA/AAAAAAAA4D8AAAAAAADgPwAAAAAAAOA/AAAAAAAA4D8CAAAAjAAAAAAAAAAAAAAAu+DjDP///wgAAAAAAAAAAAAAAAAAAAAAAAAAAAAAAAAAAAAAZAAAAAEAAABAAAAAAAAAAAAAAAAAAAAAAAAAAAAAAAAAAAAAAAAAAAAAAAAAAAAAAAAAAAAAAAAAAAAAAAAAAAAAAAAAAAAAAAAAAAAAAAAAAAAAAAAAAAAAAAAAAAAAFAAAADwAAAAAAAAAAAAAAAAAAAkUAAAAAQAAABQAAAAUAAAAFAAAAAEAAAAAAAAAZAAAAGQAAAAAAAAAZAAAAGQAAAAVAAAAYAAAAAAAAAAAAAAADwAAACADAAAAAAAAAAAAAAEAAACgMgAAVgcAAKr4//8BAAAAf39/AAEAAABkAAAAAAAAABQAAABAHwAAAAAAACYAAAAAAAAAwOD//wAAAAAmAAAAZAAAABYAAABMAAAAAAAAAAAAAAAEAAAAAAAAAAEAAACAgIAKAAAAACgAAAAoAAAAZAAAAGQAAAAAAAAAzMzMAAAAAABQAAAAUAAAAGQAAABkAAAAAAAAABcAAAAUAAAAAAAAAAAAAAD/fwAA/38AAAAAAAAJAAAABAAAAAAAAAAMAAAAEAAAAAAAAAAAAAAAAAAAAAAAAAAeAAAAaAAAAAAAAAAAAAAAAAAAAAAAAAAAAAAAECcAABAnAAAAAAAAAAAAAAAAAAAAAAAAAAAAAAAAAAAAAAAAAAAAABQAAAAAAAAAwMD/AAAAAABkAAAAMgAAAAAAAABkAAAAAAAAAH9/fwAKAAAAHwAAAFQAAAAAAAAFAAAAAQAAAAAAAAAAAAAAAAAAAAAAAAAAAAAAAAAAAAAAAAAAAAAAAn9/fwAAAAADzMzMAMDA/wB/f38AAAAAAAAAAAAAAAAAAAAAAAAAAAAhAAAAGAAAABQAAADQAgAAsAEAAHA1AAC4CAAAEAAAACYAAAAIAAAAAAAAAAAAAAA="/>
               </a:ext>
             </a:extLst>
           </p:cNvSpPr>
@@ -1986,7 +1987,7 @@
             <a:spLocks noGrp="1" noChangeArrowheads="1"/>
             <a:extLst>
               <a:ext uri="smNativeData">
-                <pr:smNativeData xmlns:pr="smNativeData" val="SMDATA_13_Na6sYxMAAAAlAAAAZAAAAA8BAAAAkAAAAEgAAACQAAAASAAAAAAAAAABAAAAAAAAAAEAAABQAAAAAAAAAAAA4D8AAAAAAADgPwAAAAAAAOA/AAAAAAAA4D8AAAAAAADgPwAAAAAAAOA/AAAAAAAA4D8AAAAAAADgPwAAAAAAAOA/AAAAAAAA4D8CAAAAjAAAAAAAAAAAAAAAu+DjDP///wgAAAAAAAAAAAAAAAAAAAAAAAAAAAAAAAAAAAAAZAAAAAEAAABAAAAAAAAAAAAAAAAAAAAAAAAAAAAAAAAAAAAAAAAAAAAAAAAAAAAAAAAAAAAAAAAAAAAAAAAAAAAAAAAAAAAAAAAAAAAAAAAAAAAAAAAAAAAAAAAAAAAAFAAAADwAAAAAAAAAAAAAAAAAAAkUAAAAAQAAABQAAAAUAAAAFAAAAAEAAAAAAAAAZAAAAGQAAAAAAAAAZAAAAGQAAAAVAAAAYAAAAAAAAAAAAAAADwAAACADAAAAAAAAAAAAAAEAAACgMgAAVgcAAKr4//8BAAAAf39/AAEAAABkAAAAAAAAABQAAABAHwAAAAAAACYAAAAAAAAAwOD//wAAAAAmAAAAZAAAABYAAABMAAAAAAAAAAAAAAAEAAAAAAAAAAEAAACAgIAKAAAAACgAAAAoAAAAZAAAAGQAAAAAAAAAzMzMAAAAAABQAAAAUAAAAGQAAABkAAAAAAAAABcAAAAUAAAAAAAAAAAAAAD/fwAA/38AAAAAAAAJAAAABAAAAAAAAAAMAAAAEAAAAAAAAAAAAAAAAAAAAAAAAAAeAAAAaAAAAAAAAAAAAAAAAAAAAAAAAAAAAAAAECcAABAnAAAAAAAAAAAAAAAAAAAAAAAAAAAAAAAAAAAAAAAAAAAAABQAAAAAAAAAwMD/AAAAAABkAAAAMgAAAAAAAABkAAAAAAAAAH9/fwAKAAAAHwAAAFQAAAAAAAAFAAAAAQAAAAAAAAAAAAAAAAAAAAAAAAAAAAAAAAAAAAAAAAAAAAAAAn9/fwAAAAADzMzMAMDA/wB/f38AAAAAAAAAAAAAAAAAAAAAAAAAAAAhAAAAGAAAABQAAADQAgAAGycAAPAPAABZKQAAEAAAACYAAAAIAAAAAAAAAAAAAAA="/>
+                <pr:smNativeData xmlns:pr="smNativeData" val="SMDATA_13_8OOwYxMAAAAlAAAAZAAAAA8BAAAAkAAAAEgAAACQAAAASAAAAAAAAAABAAAAAAAAAAEAAABQAAAAAAAAAAAA4D8AAAAAAADgPwAAAAAAAOA/AAAAAAAA4D8AAAAAAADgPwAAAAAAAOA/AAAAAAAA4D8AAAAAAADgPwAAAAAAAOA/AAAAAAAA4D8CAAAAjAAAAAAAAAAAAAAAu+DjDP///wgAAAAAAAAAAAAAAAAAAAAAAAAAAAAAAAAAAAAAZAAAAAEAAABAAAAAAAAAAAAAAAAAAAAAAAAAAAAAAAAAAAAAAAAAAAAAAAAAAAAAAAAAAAAAAAAAAAAAAAAAAAAAAAAAAAAAAAAAAAAAAAAAAAAAAAAAAAAAAAAAAAAAFAAAADwAAAAAAAAAAAAAAAAAAAkUAAAAAQAAABQAAAAUAAAAFAAAAAEAAAAAAAAAZAAAAGQAAAAAAAAAZAAAAGQAAAAVAAAAYAAAAAAAAAAAAAAADwAAACADAAAAAAAAAAAAAAEAAACgMgAAVgcAAKr4//8BAAAAf39/AAEAAABkAAAAAAAAABQAAABAHwAAAAAAACYAAAAAAAAAwOD//wAAAAAmAAAAZAAAABYAAABMAAAAAAAAAAAAAAAEAAAAAAAAAAEAAACAgIAKAAAAACgAAAAoAAAAZAAAAGQAAAAAAAAAzMzMAAAAAABQAAAAUAAAAGQAAABkAAAAAAAAABcAAAAUAAAAAAAAAAAAAAD/fwAA/38AAAAAAAAJAAAABAAAAAAAAAAMAAAAEAAAAAAAAAAAAAAAAAAAAAAAAAAeAAAAaAAAAAAAAAAAAAAAAAAAAAAAAAAAAAAAECcAABAnAAAAAAAAAAAAAAAAAAAAAAAAAAAAAAAAAAAAAAAAAAAAABQAAAAAAAAAwMD/AAAAAABkAAAAMgAAAAAAAABkAAAAAAAAAH9/fwAKAAAAHwAAAFQAAAAAAAAFAAAAAQAAAAAAAAAAAAAAAAAAAAAAAAAAAAAAAAAAAAAAAAAAAAAAAn9/fwAAAAADzMzMAMDA/wB/f38AAAAAAAAAAAAAAAAAAAAAAAAAAAAhAAAAGAAAABQAAADQAgAAGycAAPAPAABZKQAAEAAAACYAAAAIAAAAAAAAAAAAAAA="/>
               </a:ext>
             </a:extLst>
           </p:cNvSpPr>
@@ -2000,7 +2001,7 @@
           <a:lstStyle/>
           <a:p>
             <a:pPr/>
-            <a:fld id="{1CB57A6E-20F1-E08C-BF0D-D6D934434983}" type="datetime1">
+            <a:fld id="{0B3B42E9-A7E6-6EB4-A883-51E10CCD5E04}" type="datetime1">
               <a:t/>
             </a:fld>
           </a:p>
@@ -2013,7 +2014,7 @@
             <a:spLocks noGrp="1" noChangeArrowheads="1"/>
             <a:extLst>
               <a:ext uri="smNativeData">
-                <pr:smNativeData xmlns:pr="smNativeData" val="SMDATA_13_Na6sYxMAAAAlAAAAZAAAAA8BAAAAkAAAAEgAAACQAAAASAAAAAAAAAABAAAAAAAAAAEAAABQAAAAAAAAAAAA4D8AAAAAAADgPwAAAAAAAOA/AAAAAAAA4D8AAAAAAADgPwAAAAAAAOA/AAAAAAAA4D8AAAAAAADgPwAAAAAAAOA/AAAAAAAA4D8CAAAAjAAAAAAAAAAAAAAAu+DjDP///wgAAAAAAAAAAAAAAAAAAAAAAAAAAAAAAAAAAAAAZAAAAAEAAABAAAAAAAAAAAAAAAAAAAAAAAAAAAAAAAAAAAAAAAAAAAAAAAAAAAAAAAAAAAAAAAAAAAAAAAAAAAAAAAAAAAAAAAAAAAAAAAAAAAAAAAAAAAAAAAAAAAAAFAAAADwAAAAAAAAAAAAAAAAAAAkUAAAAAQAAABQAAAAUAAAAFAAAAAEAAAAAAAAAZAAAAGQAAAAAAAAAZAAAAGQAAAAVAAAAYAAAAAAAAAAAAAAADwAAACADAAAAAAAAAAAAAAEAAACgMgAAVgcAAKr4//8BAAAAf39/AAEAAABkAAAAAAAAABQAAABAHwAAAAAAACYAAAAAAAAAwOD//wAAAAAmAAAAZAAAABYAAABMAAAAAAAAAAAAAAAEAAAAAAAAAAEAAACAgIAKAAAAACgAAAAoAAAAZAAAAGQAAAAAAAAAzMzMAAAAAABQAAAAUAAAAGQAAABkAAAAAAAAABcAAAAUAAAAAAAAAAAAAAD/fwAA/38AAAAAAAAJAAAABAAAAAAAAAAMAAAAEAAAAAAAAAAAAAAAAAAAAAAAAAAeAAAAaAAAAAAAAAAAAAAAAAAAAAAAAAAAAAAAECcAABAnAAAAAAAAAAAAAAAAAAAAAAAAAAAAAAAAAAAAAAAAAAAAABQAAAAAAAAAwMD/AAAAAABkAAAAMgAAAAAAAABkAAAAAAAAAH9/fwAKAAAAHwAAAFQAAAAAAAAFAAAAAQAAAAAAAAAAAAAAAAAAAAAAAAAAAAAAAAAAAAAAAAAAAAAAAn9/fwAAAAADzMzMAMDA/wB/f38AAAAAAAAAAAAAAAAAAAAAAAAAAAAhAAAAGAAAABQAAAA4EwAAGycAAAglAABZKQAAEAAAACYAAAAIAAAAAAAAAAAAAAA="/>
+                <pr:smNativeData xmlns:pr="smNativeData" val="SMDATA_13_8OOwYxMAAAAlAAAAZAAAAA8BAAAAkAAAAEgAAACQAAAASAAAAAAAAAABAAAAAAAAAAEAAABQAAAAAAAAAAAA4D8AAAAAAADgPwAAAAAAAOA/AAAAAAAA4D8AAAAAAADgPwAAAAAAAOA/AAAAAAAA4D8AAAAAAADgPwAAAAAAAOA/AAAAAAAA4D8CAAAAjAAAAAAAAAAAAAAAu+DjDP///wgAAAAAAAAAAAAAAAAAAAAAAAAAAAAAAAAAAAAAZAAAAAEAAABAAAAAAAAAAAAAAAAAAAAAAAAAAAAAAAAAAAAAAAAAAAAAAAAAAAAAAAAAAAAAAAAAAAAAAAAAAAAAAAAAAAAAAAAAAAAAAAAAAAAAAAAAAAAAAAAAAAAAFAAAADwAAAAAAAAAAAAAAAAAAAkUAAAAAQAAABQAAAAUAAAAFAAAAAEAAAAAAAAAZAAAAGQAAAAAAAAAZAAAAGQAAAAVAAAAYAAAAAAAAAAAAAAADwAAACADAAAAAAAAAAAAAAEAAACgMgAAVgcAAKr4//8BAAAAf39/AAEAAABkAAAAAAAAABQAAABAHwAAAAAAACYAAAAAAAAAwOD//wAAAAAmAAAAZAAAABYAAABMAAAAAAAAAAAAAAAEAAAAAAAAAAEAAACAgIAKAAAAACgAAAAoAAAAZAAAAGQAAAAAAAAAzMzMAAAAAABQAAAAUAAAAGQAAABkAAAAAAAAABcAAAAUAAAAAAAAAAAAAAD/fwAA/38AAAAAAAAJAAAABAAAAAAAAAAMAAAAEAAAAAAAAAAAAAAAAAAAAAAAAAAeAAAAaAAAAAAAAAAAAAAAAAAAAAAAAAAAAAAAECcAABAnAAAAAAAAAAAAAAAAAAAAAAAAAAAAAAAAAAAAAAAAAAAAABQAAAAAAAAAwMD/AAAAAABkAAAAMgAAAAAAAABkAAAAAAAAAH9/fwAKAAAAHwAAAFQAAAAAAAAFAAAAAQAAAAAAAAAAAAAAAAAAAAAAAAAAAAAAAAAAAAAAAAAAAAAAAn9/fwAAAAADzMzMAMDA/wB/f38AAAAAAAAAAAAAAAAAAAAAAAAAAAAhAAAAGAAAABQAAAA4EwAAGycAAAglAABZKQAAEAAAACYAAAAIAAAAAAAAAAAAAAA="/>
               </a:ext>
             </a:extLst>
           </p:cNvSpPr>
@@ -2037,7 +2038,7 @@
             <a:spLocks noGrp="1" noChangeArrowheads="1"/>
             <a:extLst>
               <a:ext uri="smNativeData">
-                <pr:smNativeData xmlns:pr="smNativeData" val="SMDATA_13_Na6sYxMAAAAlAAAAZAAAAA8BAAAAkAAAAEgAAACQAAAASAAAAAAAAAABAAAAAAAAAAEAAABQAAAAAAAAAAAA4D8AAAAAAADgPwAAAAAAAOA/AAAAAAAA4D8AAAAAAADgPwAAAAAAAOA/AAAAAAAA4D8AAAAAAADgPwAAAAAAAOA/AAAAAAAA4D8CAAAAjAAAAAAAAAAAAAAAu+DjDP///wgAAAAAAAAAAAAAAAAAAAAAAAAAAAAAAAAAAAAAZAAAAAEAAABAAAAAAAAAAAAAAAAAAAAAAAAAAAAAAAAAAAAAAAAAAAAAAAAAAAAAAAAAAAAAAAAAAAAAAAAAAAAAAAAAAAAAAAAAAAAAAAAAAAAAAAAAAAAAAAAAAAAAFAAAADwAAAAAAAAAAAAAAAAAAAkUAAAAAQAAABQAAAAUAAAAFAAAAAEAAAAAAAAAZAAAAGQAAAAAAAAAZAAAAGQAAAAVAAAAYAAAAAAAAAAAAAAADwAAACADAAAAAAAAAAAAAAEAAACgMgAAVgcAAKr4//8BAAAAf39/AAEAAABkAAAAAAAAABQAAABAHwAAAAAAACYAAAAAAAAAwOD//wAAAAAmAAAAZAAAABYAAABMAAAAAAAAAAAAAAAEAAAAAAAAAAEAAACAgIAKAAAAACgAAAAoAAAAZAAAAGQAAAAAAAAAzMzMAAAAAABQAAAAUAAAAGQAAABkAAAAAAAAABcAAAAUAAAAAAAAAAAAAAD/fwAA/38AAAAAAAAJAAAABAAAAAAAAAAMAAAAEAAAAAAAAAAAAAAAAAAAAAAAAAAeAAAAaAAAAAAAAAAAAAAAAAAAAAAAAAAAAAAAECcAABAnAAAAAAAAAAAAAAAAAAAAAAAAAAAAAAAAAAAAAAAAAAAAABQAAAAAAAAAwMD/AAAAAABkAAAAMgAAAAAAAABkAAAAAAAAAH9/fwAKAAAAHwAAAFQAAAAAAAAFAAAAAQAAAAAAAAAAAAAAAAAAAAAAAAAAAAAAAAAAAAAAAAAAAAAAAn9/fwAAAAADzMzMAMDA/wB/f38AAAAAAAAAAAAAAAAAAAAAAAAAAAAhAAAAGAAAABQAAABQKAAAGycAAHA1AABZKQAAEAAAACYAAAAIAAAAAAAAAAAAAAA="/>
+                <pr:smNativeData xmlns:pr="smNativeData" val="SMDATA_13_8OOwYxMAAAAlAAAAZAAAAA8BAAAAkAAAAEgAAACQAAAASAAAAAAAAAABAAAAAAAAAAEAAABQAAAAAAAAAAAA4D8AAAAAAADgPwAAAAAAAOA/AAAAAAAA4D8AAAAAAADgPwAAAAAAAOA/AAAAAAAA4D8AAAAAAADgPwAAAAAAAOA/AAAAAAAA4D8CAAAAjAAAAAAAAAAAAAAAu+DjDP///wgAAAAAAAAAAAAAAAAAAAAAAAAAAAAAAAAAAAAAZAAAAAEAAABAAAAAAAAAAAAAAAAAAAAAAAAAAAAAAAAAAAAAAAAAAAAAAAAAAAAAAAAAAAAAAAAAAAAAAAAAAAAAAAAAAAAAAAAAAAAAAAAAAAAAAAAAAAAAAAAAAAAAFAAAADwAAAAAAAAAAAAAAAAAAAkUAAAAAQAAABQAAAAUAAAAFAAAAAEAAAAAAAAAZAAAAGQAAAAAAAAAZAAAAGQAAAAVAAAAYAAAAAAAAAAAAAAADwAAACADAAAAAAAAAAAAAAEAAACgMgAAVgcAAKr4//8BAAAAf39/AAEAAABkAAAAAAAAABQAAABAHwAAAAAAACYAAAAAAAAAwOD//wAAAAAmAAAAZAAAABYAAABMAAAAAAAAAAAAAAAEAAAAAAAAAAEAAACAgIAKAAAAACgAAAAoAAAAZAAAAGQAAAAAAAAAzMzMAAAAAABQAAAAUAAAAGQAAABkAAAAAAAAABcAAAAUAAAAAAAAAAAAAAD/fwAA/38AAAAAAAAJAAAABAAAAAAAAAAMAAAAEAAAAAAAAAAAAAAAAAAAAAAAAAAeAAAAaAAAAAAAAAAAAAAAAAAAAAAAAAAAAAAAECcAABAnAAAAAAAAAAAAAAAAAAAAAAAAAAAAAAAAAAAAAAAAAAAAABQAAAAAAAAAwMD/AAAAAABkAAAAMgAAAAAAAABkAAAAAAAAAH9/fwAKAAAAHwAAAFQAAAAAAAAFAAAAAQAAAAAAAAAAAAAAAAAAAAAAAAAAAAAAAAAAAAAAAAAAAAAAAn9/fwAAAAADzMzMAMDA/wB/f38AAAAAAAAAAAAAAAAAAAAAAAAAAAAhAAAAGAAAABQAAABQKAAAGycAAHA1AABZKQAAEAAAACYAAAAIAAAAAAAAAAAAAAA="/>
               </a:ext>
             </a:extLst>
           </p:cNvSpPr>
@@ -2051,7 +2052,7 @@
           <a:lstStyle/>
           <a:p>
             <a:pPr/>
-            <a:fld id="{1CB5419C-D2F1-E0B7-BF0D-24E20F434971}" type="slidenum">
+            <a:fld id="{0B3B0B9B-D5E6-6EFD-A883-23A845CD5E76}" type="slidenum">
               <a:t/>
             </a:fld>
           </a:p>
@@ -2089,7 +2090,7 @@
             <a:spLocks noGrp="1" noChangeArrowheads="1"/>
             <a:extLst>
               <a:ext uri="smNativeData">
-                <pr:smNativeData xmlns:pr="smNativeData" val="SMDATA_13_Na6sYxMAAAAlAAAAZAAAAA8BAAAAkAAAAEgAAACQAAAASAAAAAAAAAABAAAAAAAAAAEAAABQAAAAAAAAAAAA4D8AAAAAAADgPwAAAAAAAOA/AAAAAAAA4D8AAAAAAADgPwAAAAAAAOA/AAAAAAAA4D8AAAAAAADgPwAAAAAAAOA/AAAAAAAA4D8CAAAAjAAAAAAAAAAAAAAAu+DjDP///wgAAAAAAAAAAAAAAAAAAAAAAAAAAAAAAAAAAAAAZAAAAAEAAABAAAAAAAAAAAAAAAAAAAAAAAAAAAAAAAAAAAAAAAAAAAAAAAAAAAAAAAAAAAAAAAAAAAAAAAAAAAAAAAAAAAAAAAAAAAAAAAAAAAAAAAAAAAAAAAAAAAAAFAAAADwAAAAAAAAAAAAAAAAAAAkUAAAAAQAAABQAAAAUAAAAFAAAAAEAAAAAAAAAZAAAAGQAAAAAAAAAZAAAAGQAAAAVAAAAYAAAAAAAAAAAAAAADwAAACADAAAAAAAAAAAAAAEAAACgMgAAVgcAAKr4//8BAAAAf39/AAEAAABkAAAAAAAAABQAAABAHwAAAAAAACYAAAAAAAAAwOD//wAAAAAmAAAAZAAAABYAAABMAAAAAAAAAAAAAAAEAAAAAAAAAAEAAACAgIAKAAAAACgAAAAoAAAAZAAAAGQAAAAAAAAAzMzMAAAAAABQAAAAUAAAAGQAAABkAAAAAAAAABcAAAAUAAAAAAAAAAAAAAD/fwAA/38AAAAAAAAJAAAABAAAAAAAAAAMAAAAEAAAAAAAAAAAAAAAAAAAAAAAAAAeAAAAaAAAAAAAAAAAAAAAAAAAAAAAAAAAAAAAECcAABAnAAAAAAAAAAAAAAAAAAAAAAAAAAAAAAAAAAAAAAAAAAAAABQAAAAAAAAAwMD/AAAAAABkAAAAMgAAAAAAAABkAAAAAAAAAH9/fwAKAAAAHwAAAFQAAAAAAAAFAAAAAQAAAAAAAAAAAAAAAAAAAAAAAAAAAAAAAAAAAAAAAAAAAAAAAn9/fwAAAAADzMzMAMDA/wB/f38AAAAAAAAAAAAAAAAAAAAAAAAAAAAhAAAAGAAAABQAAADQAgAAGycAAPAPAABZKQAAEAAAACYAAAAIAAAAAAAAAAAAAAA="/>
+                <pr:smNativeData xmlns:pr="smNativeData" val="SMDATA_13_8OOwYxMAAAAlAAAAZAAAAA8BAAAAkAAAAEgAAACQAAAASAAAAAAAAAABAAAAAAAAAAEAAABQAAAAAAAAAAAA4D8AAAAAAADgPwAAAAAAAOA/AAAAAAAA4D8AAAAAAADgPwAAAAAAAOA/AAAAAAAA4D8AAAAAAADgPwAAAAAAAOA/AAAAAAAA4D8CAAAAjAAAAAAAAAAAAAAAu+DjDP///wgAAAAAAAAAAAAAAAAAAAAAAAAAAAAAAAAAAAAAZAAAAAEAAABAAAAAAAAAAAAAAAAAAAAAAAAAAAAAAAAAAAAAAAAAAAAAAAAAAAAAAAAAAAAAAAAAAAAAAAAAAAAAAAAAAAAAAAAAAAAAAAAAAAAAAAAAAAAAAAAAAAAAFAAAADwAAAAAAAAAAAAAAAAAAAkUAAAAAQAAABQAAAAUAAAAFAAAAAEAAAAAAAAAZAAAAGQAAAAAAAAAZAAAAGQAAAAVAAAAYAAAAAAAAAAAAAAADwAAACADAAAAAAAAAAAAAAEAAACgMgAAVgcAAKr4//8BAAAAf39/AAEAAABkAAAAAAAAABQAAABAHwAAAAAAACYAAAAAAAAAwOD//wAAAAAmAAAAZAAAABYAAABMAAAAAAAAAAAAAAAEAAAAAAAAAAEAAACAgIAKAAAAACgAAAAoAAAAZAAAAGQAAAAAAAAAzMzMAAAAAABQAAAAUAAAAGQAAABkAAAAAAAAABcAAAAUAAAAAAAAAAAAAAD/fwAA/38AAAAAAAAJAAAABAAAAAAAAAAMAAAAEAAAAAAAAAAAAAAAAAAAAAAAAAAeAAAAaAAAAAAAAAAAAAAAAAAAAAAAAAAAAAAAECcAABAnAAAAAAAAAAAAAAAAAAAAAAAAAAAAAAAAAAAAAAAAAAAAABQAAAAAAAAAwMD/AAAAAABkAAAAMgAAAAAAAABkAAAAAAAAAH9/fwAKAAAAHwAAAFQAAAAAAAAFAAAAAQAAAAAAAAAAAAAAAAAAAAAAAAAAAAAAAAAAAAAAAAAAAAAAAn9/fwAAAAADzMzMAMDA/wB/f38AAAAAAAAAAAAAAAAAAAAAAAAAAAAhAAAAGAAAABQAAADQAgAAGycAAPAPAABZKQAAEAAAACYAAAAIAAAAAAAAAAAAAAA="/>
               </a:ext>
             </a:extLst>
           </p:cNvSpPr>
@@ -2103,7 +2104,7 @@
           <a:lstStyle/>
           <a:p>
             <a:pPr/>
-            <a:fld id="{1CB543EC-A2F1-E0B5-BF0D-54E00D434901}" type="datetime1">
+            <a:fld id="{0B3B5691-DFE6-6EA0-A883-29F518CD5E7C}" type="datetime1">
               <a:t/>
             </a:fld>
           </a:p>
@@ -2116,7 +2117,7 @@
             <a:spLocks noGrp="1" noChangeArrowheads="1"/>
             <a:extLst>
               <a:ext uri="smNativeData">
-                <pr:smNativeData xmlns:pr="smNativeData" val="SMDATA_13_Na6sYxMAAAAlAAAAZAAAAA8BAAAAkAAAAEgAAACQAAAASAAAAAAAAAABAAAAAAAAAAEAAABQAAAAAAAAAAAA4D8AAAAAAADgPwAAAAAAAOA/AAAAAAAA4D8AAAAAAADgPwAAAAAAAOA/AAAAAAAA4D8AAAAAAADgPwAAAAAAAOA/AAAAAAAA4D8CAAAAjAAAAAAAAAAAAAAAu+DjDP///wgAAAAAAAAAAAAAAAAAAAAAAAAAAAAAAAAAAAAAZAAAAAEAAABAAAAAAAAAAAAAAAAAAAAAAAAAAAAAAAAAAAAAAAAAAAAAAAAAAAAAAAAAAAAAAAAAAAAAAAAAAAAAAAAAAAAAAAAAAAAAAAAAAAAAAAAAAAAAAAAAAAAAFAAAADwAAAAAAAAAAAAAAAAAAAkUAAAAAQAAABQAAAAUAAAAFAAAAAEAAAAAAAAAZAAAAGQAAAAAAAAAZAAAAGQAAAAVAAAAYAAAAAAAAAAAAAAADwAAACADAAAAAAAAAAAAAAEAAACgMgAAVgcAAKr4//8BAAAAf39/AAEAAABkAAAAAAAAABQAAABAHwAAAAAAACYAAAAAAAAAwOD//wAAAAAmAAAAZAAAABYAAABMAAAAAAAAAAAAAAAEAAAAAAAAAAEAAACAgIAKAAAAACgAAAAoAAAAZAAAAGQAAAAAAAAAzMzMAAAAAABQAAAAUAAAAGQAAABkAAAAAAAAABcAAAAUAAAAAAAAAAAAAAD/fwAA/38AAAAAAAAJAAAABAAAAAAAAAAMAAAAEAAAAAAAAAAAAAAAAAAAAAAAAAAeAAAAaAAAAAAAAAAAAAAAAAAAAAAAAAAAAAAAECcAABAnAAAAAAAAAAAAAAAAAAAAAAAAAAAAAAAAAAAAAAAAAAAAABQAAAAAAAAAwMD/AAAAAABkAAAAMgAAAAAAAABkAAAAAAAAAH9/fwAKAAAAHwAAAFQAAAAAAAAFAAAAAQAAAAAAAAAAAAAAAAAAAAAAAAAAAAAAAAAAAAAAAAAAAAAAAn9/fwAAAAADzMzMAMDA/wB/f38AAAAAAAAAAAAAAAAAAAAAAAAAAAAhAAAAGAAAABQAAAA4EwAAGycAAAglAABZKQAAEAAAACYAAAAIAAAAAAAAAAAAAAA="/>
+                <pr:smNativeData xmlns:pr="smNativeData" val="SMDATA_13_8OOwYxMAAAAlAAAAZAAAAA8BAAAAkAAAAEgAAACQAAAASAAAAAAAAAABAAAAAAAAAAEAAABQAAAAAAAAAAAA4D8AAAAAAADgPwAAAAAAAOA/AAAAAAAA4D8AAAAAAADgPwAAAAAAAOA/AAAAAAAA4D8AAAAAAADgPwAAAAAAAOA/AAAAAAAA4D8CAAAAjAAAAAAAAAAAAAAAu+DjDP///wgAAAAAAAAAAAAAAAAAAAAAAAAAAAAAAAAAAAAAZAAAAAEAAABAAAAAAAAAAAAAAAAAAAAAAAAAAAAAAAAAAAAAAAAAAAAAAAAAAAAAAAAAAAAAAAAAAAAAAAAAAAAAAAAAAAAAAAAAAAAAAAAAAAAAAAAAAAAAAAAAAAAAFAAAADwAAAAAAAAAAAAAAAAAAAkUAAAAAQAAABQAAAAUAAAAFAAAAAEAAAAAAAAAZAAAAGQAAAAAAAAAZAAAAGQAAAAVAAAAYAAAAAAAAAAAAAAADwAAACADAAAAAAAAAAAAAAEAAACgMgAAVgcAAKr4//8BAAAAf39/AAEAAABkAAAAAAAAABQAAABAHwAAAAAAACYAAAAAAAAAwOD//wAAAAAmAAAAZAAAABYAAABMAAAAAAAAAAAAAAAEAAAAAAAAAAEAAACAgIAKAAAAACgAAAAoAAAAZAAAAGQAAAAAAAAAzMzMAAAAAABQAAAAUAAAAGQAAABkAAAAAAAAABcAAAAUAAAAAAAAAAAAAAD/fwAA/38AAAAAAAAJAAAABAAAAAAAAAAMAAAAEAAAAAAAAAAAAAAAAAAAAAAAAAAeAAAAaAAAAAAAAAAAAAAAAAAAAAAAAAAAAAAAECcAABAnAAAAAAAAAAAAAAAAAAAAAAAAAAAAAAAAAAAAAAAAAAAAABQAAAAAAAAAwMD/AAAAAABkAAAAMgAAAAAAAABkAAAAAAAAAH9/fwAKAAAAHwAAAFQAAAAAAAAFAAAAAQAAAAAAAAAAAAAAAAAAAAAAAAAAAAAAAAAAAAAAAAAAAAAAAn9/fwAAAAADzMzMAMDA/wB/f38AAAAAAAAAAAAAAAAAAAAAAAAAAAAhAAAAGAAAABQAAAA4EwAAGycAAAglAABZKQAAEAAAACYAAAAIAAAAAAAAAAAAAAA="/>
               </a:ext>
             </a:extLst>
           </p:cNvSpPr>
@@ -2140,7 +2141,7 @@
             <a:spLocks noGrp="1" noChangeArrowheads="1"/>
             <a:extLst>
               <a:ext uri="smNativeData">
-                <pr:smNativeData xmlns:pr="smNativeData" val="SMDATA_13_Na6sYxMAAAAlAAAAZAAAAA8BAAAAkAAAAEgAAACQAAAASAAAAAAAAAABAAAAAAAAAAEAAABQAAAAAAAAAAAA4D8AAAAAAADgPwAAAAAAAOA/AAAAAAAA4D8AAAAAAADgPwAAAAAAAOA/AAAAAAAA4D8AAAAAAADgPwAAAAAAAOA/AAAAAAAA4D8CAAAAjAAAAAAAAAAAAAAAu+DjDP///wgAAAAAAAAAAAAAAAAAAAAAAAAAAAAAAAAAAAAAZAAAAAEAAABAAAAAAAAAAAAAAAAAAAAAAAAAAAAAAAAAAAAAAAAAAAAAAAAAAAAAAAAAAAAAAAAAAAAAAAAAAAAAAAAAAAAAAAAAAAAAAAAAAAAAAAAAAAAAAAAAAAAAFAAAADwAAAAAAAAAAAAAAAAAAAkUAAAAAQAAABQAAAAUAAAAFAAAAAEAAAAAAAAAZAAAAGQAAAAAAAAAZAAAAGQAAAAVAAAAYAAAAAAAAAAAAAAADwAAACADAAAAAAAAAAAAAAEAAACgMgAAVgcAAKr4//8BAAAAf39/AAEAAABkAAAAAAAAABQAAABAHwAAAAAAACYAAAAAAAAAwOD//wAAAAAmAAAAZAAAABYAAABMAAAAAAAAAAAAAAAEAAAAAAAAAAEAAACAgIAKAAAAACgAAAAoAAAAZAAAAGQAAAAAAAAAzMzMAAAAAABQAAAAUAAAAGQAAABkAAAAAAAAABcAAAAUAAAAAAAAAAAAAAD/fwAA/38AAAAAAAAJAAAABAAAADIAAAAMAAAAEAAAAAAAAAAAAAAAAAAAAAAAAAAeAAAAaAAAAAAAAAAAAAAAAAAAAAAAAAAAAAAAECcAABAnAAAAAAAAAAAAAAAAAAAAAAAAAAAAAAAAAAAAAAAAAAAAABQAAAAAAAAAwMD/AAAAAABkAAAAMgAAAAAAAABkAAAAAAAAAH9/fwAKAAAAHwAAAFQAAAAAAAAFAAAAAQAAAAAAAAAAAAAAAAAAAAAAAAAAAAAAAAAAAAAAAAAAAAAAAn9/fwAAAAADzMzMAMDA/wB/f38AAAAAAAAAAAAAAAAAAAAAAAAAAAAhAAAAGAAAABQAAABQKAAAGycAAHA1AABZKQAAEAAAACYAAAAIAAAAAAAAAAAAAAA="/>
+                <pr:smNativeData xmlns:pr="smNativeData" val="SMDATA_13_8OOwYxMAAAAlAAAAZAAAAA8BAAAAkAAAAEgAAACQAAAASAAAAAAAAAABAAAAAAAAAAEAAABQAAAAAAAAAAAA4D8AAAAAAADgPwAAAAAAAOA/AAAAAAAA4D8AAAAAAADgPwAAAAAAAOA/AAAAAAAA4D8AAAAAAADgPwAAAAAAAOA/AAAAAAAA4D8CAAAAjAAAAAAAAAAAAAAAu+DjDP///wgAAAAAAAAAAAAAAAAAAAAAAAAAAAAAAAAAAAAAZAAAAAEAAABAAAAAAAAAAAAAAAAAAAAAAAAAAAAAAAAAAAAAAAAAAAAAAAAAAAAAAAAAAAAAAAAAAAAAAAAAAAAAAAAAAAAAAAAAAAAAAAAAAAAAAAAAAAAAAAAAAAAAFAAAADwAAAAAAAAAAAAAAAAAAAkUAAAAAQAAABQAAAAUAAAAFAAAAAEAAAAAAAAAZAAAAGQAAAAAAAAAZAAAAGQAAAAVAAAAYAAAAAAAAAAAAAAADwAAACADAAAAAAAAAAAAAAEAAACgMgAAVgcAAKr4//8BAAAAf39/AAEAAABkAAAAAAAAABQAAABAHwAAAAAAACYAAAAAAAAAwOD//wAAAAAmAAAAZAAAABYAAABMAAAAAAAAAAAAAAAEAAAAAAAAAAEAAACAgIAKAAAAACgAAAAoAAAAZAAAAGQAAAAAAAAAzMzMAAAAAABQAAAAUAAAAGQAAABkAAAAAAAAABcAAAAUAAAAAAAAAAAAAAD/fwAA/38AAAAAAAAJAAAABAAAADIAAAAMAAAAEAAAAAAAAAAAAAAAAAAAAAAAAAAeAAAAaAAAAAAAAAAAAAAAAAAAAAAAAAAAAAAAECcAABAnAAAAAAAAAAAAAAAAAAAAAAAAAAAAAAAAAAAAAAAAAAAAABQAAAAAAAAAwMD/AAAAAABkAAAAMgAAAAAAAABkAAAAAAAAAH9/fwAKAAAAHwAAAFQAAAAAAAAFAAAAAQAAAAAAAAAAAAAAAAAAAAAAAAAAAAAAAAAAAAAAAAAAAAAAAn9/fwAAAAADzMzMAMDA/wB/f38AAAAAAAAAAAAAAAAAAAAAAAAAAAAhAAAAGAAAABQAAABQKAAAGycAAHA1AABZKQAAEAAAACYAAAAIAAAAAAAAAAAAAAA="/>
               </a:ext>
             </a:extLst>
           </p:cNvSpPr>
@@ -2154,7 +2155,7 @@
           <a:lstStyle/>
           <a:p>
             <a:pPr/>
-            <a:fld id="{1CB54DF8-B6F1-E0BB-BF0D-40EE03434915}" type="slidenum">
+            <a:fld id="{0B3B5266-28E6-6EA4-A883-DEF11CCD5E8B}" type="slidenum">
               <a:t/>
             </a:fld>
           </a:p>
@@ -2192,7 +2193,7 @@
             <a:spLocks noGrp="1" noChangeArrowheads="1"/>
             <a:extLst>
               <a:ext uri="smNativeData">
-                <pr:smNativeData xmlns:pr="smNativeData" val="SMDATA_13_Na6sYxMAAAAlAAAAZAAAAA8BAAAAkAAAAEgAAACQAAAASAAAAAAAAAACAAAAAAAAAAEAAABQAAAAAAAAAAAA4D8AAAAAAADgPwAAAAAAAOA/AAAAAAAA4D8AAAAAAADgPwAAAAAAAOA/AAAAAAAA4D8AAAAAAADgPwAAAAAAAOA/AAAAAAAA4D8CAAAAjAAAAAAAAAAAAAAAu+DjDP///wgAAAAAAAAAAAAAAAAAAAAAAAAAAAAAAAAAAAAAZAAAAAEAAABAAAAAAAAAAAAAAAAAAAAAAAAAAAAAAAAAAAAAAAAAAAAAAAAAAAAAAAAAAAAAAAAAAAAAAAAAAAAAAAAAAAAAAAAAAAAAAAAAAAAAAAAAAAAAAAAAAAAAFAAAADwAAAAAAAAAAAAAAAAAAAkUAAAAAQAAABQAAAAUAAAAFAAAAAEAAAAAAAAAZAAAAGQAAAAAAAAAZAAAAGQAAAAVAAAAYAAAAAAAAAAAAAAADwAAACADAAAAAAAAAAAAAAEAAACgMgAAVgcAAKr4//8BAAAAf39/AAEAAABkAAAAAAAAABQAAABAHwAAAAAAACYAAAAAAAAAwOD//wAAAAAmAAAAZAAAABYAAABMAAAAAAAAAAAAAAAEAAAAAAAAAAEAAACAgIAKAAAAACgAAAAoAAAAZAAAAGQAAAAAAAAAzMzMAAAAAABQAAAAUAAAAGQAAABkAAAAAAAAABcAAAAUAAAAAAAAAAAAAAD/fwAA/38AAAAAAAAJAAAABAAAAAAAAAAMAAAAEAAAAAAAAAAAAAAAAAAAAAAAAAAeAAAAaAAAAAAAAAAAAAAAAAAAAAAAAAAAAAAAECcAABAnAAAAAAAAAAAAAAAAAAAAAAAAAAAAAAAAAAAAAAAAAAAAABQAAAAAAAAAwMD/AAAAAABkAAAAMgAAAAAAAABkAAAAAAAAAH9/fwAKAAAAHwAAAFQAAAAAAAAFAAAAAQAAAAAAAAAAAAAAAAAAAAAAAAAAAAAAAAAAAAAAAAAAAAAAAn9/fwAAAAADzMzMAMDA/wB/f38AAAAAAAAAAAAAAAAAAAAAAAAAAAAhAAAAGAAAABQAAADQAgAArgEAAFIVAADUCAAAEAAAACYAAAAIAAAAgYAAAAAAAAA="/>
+                <pr:smNativeData xmlns:pr="smNativeData" val="SMDATA_13_8OOwYxMAAAAlAAAAZAAAAA8BAAAAkAAAAEgAAACQAAAASAAAAAAAAAACAAAAAAAAAAEAAABQAAAAAAAAAAAA4D8AAAAAAADgPwAAAAAAAOA/AAAAAAAA4D8AAAAAAADgPwAAAAAAAOA/AAAAAAAA4D8AAAAAAADgPwAAAAAAAOA/AAAAAAAA4D8CAAAAjAAAAAAAAAAAAAAAu+DjDP///wgAAAAAAAAAAAAAAAAAAAAAAAAAAAAAAAAAAAAAZAAAAAEAAABAAAAAAAAAAAAAAAAAAAAAAAAAAAAAAAAAAAAAAAAAAAAAAAAAAAAAAAAAAAAAAAAAAAAAAAAAAAAAAAAAAAAAAAAAAAAAAAAAAAAAAAAAAAAAAAAAAAAAFAAAADwAAAAAAAAAAAAAAAAAAAkUAAAAAQAAABQAAAAUAAAAFAAAAAEAAAAAAAAAZAAAAGQAAAAAAAAAZAAAAGQAAAAVAAAAYAAAAAAAAAAAAAAADwAAACADAAAAAAAAAAAAAAEAAACgMgAAVgcAAKr4//8BAAAAf39/AAEAAABkAAAAAAAAABQAAABAHwAAAAAAACYAAAAAAAAAwOD//wAAAAAmAAAAZAAAABYAAABMAAAAAAAAAAAAAAAEAAAAAAAAAAEAAACAgIAKAAAAACgAAAAoAAAAZAAAAGQAAAAAAAAAzMzMAAAAAABQAAAAUAAAAGQAAABkAAAAAAAAABcAAAAUAAAAAAAAAAAAAAD/fwAA/38AAAAAAAAJAAAABAAAAAAAAAAMAAAAEAAAAAAAAAAAAAAAAAAAAAAAAAAeAAAAaAAAAAAAAAAAAAAAAAAAAAAAAAAAAAAAECcAABAnAAAAAAAAAAAAAAAAAAAAAAAAAAAAAAAAAAAAAAAAAAAAABQAAAAAAAAAwMD/AAAAAABkAAAAMgAAAAAAAABkAAAAAAAAAH9/fwAKAAAAHwAAAFQAAAAAAAAFAAAAAQAAAAAAAAAAAAAAAAAAAAAAAAAAAAAAAAAAAAAAAAAAAAAAAn9/fwAAAAADzMzMAMDA/wB/f38AAAAAAAAAAAAAAAAAAAAAAAAAAAAhAAAAGAAAABQAAADQAgAArgEAAFIVAADUCAAAEAAAACYAAAAIAAAAgYAAAAAAAAA="/>
               </a:ext>
             </a:extLst>
           </p:cNvSpPr>
@@ -2232,7 +2233,7 @@
             <a:spLocks noGrp="1" noChangeArrowheads="1"/>
             <a:extLst>
               <a:ext uri="smNativeData">
-                <pr:smNativeData xmlns:pr="smNativeData" val="SMDATA_13_Na6sYxMAAAAlAAAAZAAAAA8BAAAAkAAAAEgAAACQAAAASAAAAAAAAAAAAAAAAAAAAAEAAABQAAAAAAAAAAAA4D8AAAAAAADgPwAAAAAAAOA/AAAAAAAA4D8AAAAAAADgPwAAAAAAAOA/AAAAAAAA4D8AAAAAAADgPwAAAAAAAOA/AAAAAAAA4D8CAAAAjAAAAAAAAAAAAAAAu+DjDP///wgAAAAAAAAAAAAAAAAAAAAAAAAAAAAAAAAAAAAAZAAAAAEAAABAAAAAAAAAAAAAAAAAAAAAAAAAAAAAAAAAAAAAAAAAAAAAAAAAAAAAAAAAAAAAAAAAAAAAAAAAAAAAAAAAAAAAAAAAAAAAAAAAAAAAAAAAAAAAAAAAAAAAFAAAADwAAAAAAAAAAAAAAAAAAAkUAAAAAQAAABQAAAAUAAAAFAAAAAEAAAAAAAAAZAAAAGQAAAAAAAAAZAAAAGQAAAAVAAAAYAAAAAAAAAAAAAAADwAAACADAAAAAAAAAAAAAAEAAACgMgAAVgcAAKr4//8BAAAAf39/AAEAAABkAAAAAAAAABQAAABAHwAAAAAAACYAAAAAAAAAwOD//wAAAAAmAAAAZAAAABYAAABMAAAAAAAAAAAAAAAEAAAAAAAAAAEAAACAgIAKAAAAACgAAAAoAAAAZAAAAGQAAAAAAAAAzMzMAAAAAABQAAAAUAAAAGQAAABkAAAAAAAAABcAAAAUAAAAAAAAAAAAAAD/fwAA/38AAAAAAAAJAAAABAAAADIAATMMAAAAEAAAAAAAAAAAAAAAAAAAAAAAAAAeAAAAaAAAAAAAAAAAAAAAAAAAAAAAAAAAAAAAECcAABAnAAAAAAAAAAAAAAAAAAAAAAAAAAAAAAAAAAAAAAAAAAAAABQAAAAAAAAAwMD/AAAAAABkAAAAMgAAAAAAAABkAAAAAAAAAH9/fwAKAAAAHwAAAFQAAAAAAAAFAAAAAQAAAAAAAAAAAAAAAAAAAAAAAAAAAAAAAAAAAAAAAAAAAAAAAn9/fwAAAAADzMzMAMDA/wB/f38AAAAAAAAAAAAAAAAAAAAAAAAAAAAhAAAAGAAAABQAAAD+FQAArgEAAHA1AACwJQAAEAAAACYAAAAIAAAAAYAAAAAAAAA="/>
+                <pr:smNativeData xmlns:pr="smNativeData" val="SMDATA_13_8OOwYxMAAAAlAAAAZAAAAA8BAAAAkAAAAEgAAACQAAAASAAAAAAAAAAAAAAAAAAAAAEAAABQAAAAAAAAAAAA4D8AAAAAAADgPwAAAAAAAOA/AAAAAAAA4D8AAAAAAADgPwAAAAAAAOA/AAAAAAAA4D8AAAAAAADgPwAAAAAAAOA/AAAAAAAA4D8CAAAAjAAAAAAAAAAAAAAAu+DjDP///wgAAAAAAAAAAAAAAAAAAAAAAAAAAAAAAAAAAAAAZAAAAAEAAABAAAAAAAAAAAAAAAAAAAAAAAAAAAAAAAAAAAAAAAAAAAAAAAAAAAAAAAAAAAAAAAAAAAAAAAAAAAAAAAAAAAAAAAAAAAAAAAAAAAAAAAAAAAAAAAAAAAAAFAAAADwAAAAAAAAAAAAAAAAAAAkUAAAAAQAAABQAAAAUAAAAFAAAAAEAAAAAAAAAZAAAAGQAAAAAAAAAZAAAAGQAAAAVAAAAYAAAAAAAAAAAAAAADwAAACADAAAAAAAAAAAAAAEAAACgMgAAVgcAAKr4//8BAAAAf39/AAEAAABkAAAAAAAAABQAAABAHwAAAAAAACYAAAAAAAAAwOD//wAAAAAmAAAAZAAAABYAAABMAAAAAAAAAAAAAAAEAAAAAAAAAAEAAACAgIAKAAAAACgAAAAoAAAAZAAAAGQAAAAAAAAAzMzMAAAAAABQAAAAUAAAAGQAAABkAAAAAAAAABcAAAAUAAAAAAAAAAAAAAD/fwAA/38AAAAAAAAJAAAABAAAADIAATMMAAAAEAAAAAAAAAAAAAAAAAAAAAAAAAAeAAAAaAAAAAAAAAAAAAAAAAAAAAAAAAAAAAAAECcAABAnAAAAAAAAAAAAAAAAAAAAAAAAAAAAAAAAAAAAAAAAAAAAABQAAAAAAAAAwMD/AAAAAABkAAAAMgAAAAAAAABkAAAAAAAAAH9/fwAKAAAAHwAAAFQAAAAAAAAFAAAAAQAAAAAAAAAAAAAAAAAAAAAAAAAAAAAAAAAAAAAAAAAAAAAAAn9/fwAAAAADzMzMAMDA/wB/f38AAAAAAAAAAAAAAAAAAAAAAAAAAAAhAAAAGAAAABQAAAD+FQAArgEAAHA1AACwJQAAEAAAACYAAAAIAAAAAYAAAAAAAAA="/>
               </a:ext>
             </a:extLst>
           </p:cNvSpPr>
@@ -2316,7 +2317,7 @@
             <a:spLocks noGrp="1" noChangeArrowheads="1"/>
             <a:extLst>
               <a:ext uri="smNativeData">
-                <pr:smNativeData xmlns:pr="smNativeData" val="SMDATA_13_Na6sYxMAAAAlAAAAZAAAAA8BAAAAkAAAAEgAAACQAAAASAAAAAAAAAAAAAAAAAAAAAEAAABQAAAAAAAAAAAA4D8AAAAAAADgPwAAAAAAAOA/AAAAAAAA4D8AAAAAAADgPwAAAAAAAOA/AAAAAAAA4D8AAAAAAADgPwAAAAAAAOA/AAAAAAAA4D8CAAAAjAAAAAAAAAAAAAAAu+DjDP///wgAAAAAAAAAAAAAAAAAAAAAAAAAAAAAAAAAAAAAZAAAAAEAAABAAAAAAAAAAAAAAAAAAAAAAAAAAAAAAAAAAAAAAAAAAAAAAAAAAAAAAAAAAAAAAAAAAAAAAAAAAAAAAAAAAAAAAAAAAAAAAAAAAAAAAAAAAAAAAAAAAAAAFAAAADwAAAAAAAAAAAAAAAAAAAkUAAAAAQAAABQAAAAUAAAAFAAAAAEAAAAAAAAAZAAAAGQAAAAAAAAAZAAAAGQAAAAVAAAAYAAAAAAAAAAAAAAADwAAACADAAAAAAAAAAAAAAEAAACgMgAAVgcAAKr4//8BAAAAf39/AAEAAABkAAAAAAAAABQAAABAHwAAAAAAACYAAAAAAAAAwOD//wAAAAAmAAAAZAAAABYAAABMAAAAAAAAAAAAAAAEAAAAAAAAAAEAAACAgIAKAAAAACgAAAAoAAAAZAAAAGQAAAAAAAAAzMzMAAAAAABQAAAAUAAAAGQAAABkAAAAAAAAABcAAAAUAAAAAAAAAAAAAAD/fwAA/38AAAAAAAAJAAAABAAAAGQAAAAMAAAAEAAAAAAAAAAAAAAAAAAAAAAAAAAeAAAAaAAAAAAAAAAAAAAAAAAAAAAAAAAAAAAAECcAABAnAAAAAAAAAAAAAAAAAAAAAAAAAAAAAAAAAAAAAAAAAAAAABQAAAAAAAAAwMD/AAAAAABkAAAAMgAAAAAAAABkAAAAAAAAAH9/fwAKAAAAHwAAAFQAAAAAAAAFAAAAAQAAAAAAAAAAAAAAAAAAAAAAAAAAAAAAAAAAAAAAAAAAAAAAAn9/fwAAAAADzMzMAMDA/wB/f38AAAAAAAAAAAAAAAAAAAAAAAAAAAAhAAAAGAAAABQAAADQAgAA1AgAAFIVAACwJQAAEAAAACYAAAAIAAAAAYAAAAAAAAA="/>
+                <pr:smNativeData xmlns:pr="smNativeData" val="SMDATA_13_8OOwYxMAAAAlAAAAZAAAAA8BAAAAkAAAAEgAAACQAAAASAAAAAAAAAAAAAAAAAAAAAEAAABQAAAAAAAAAAAA4D8AAAAAAADgPwAAAAAAAOA/AAAAAAAA4D8AAAAAAADgPwAAAAAAAOA/AAAAAAAA4D8AAAAAAADgPwAAAAAAAOA/AAAAAAAA4D8CAAAAjAAAAAAAAAAAAAAAu+DjDP///wgAAAAAAAAAAAAAAAAAAAAAAAAAAAAAAAAAAAAAZAAAAAEAAABAAAAAAAAAAAAAAAAAAAAAAAAAAAAAAAAAAAAAAAAAAAAAAAAAAAAAAAAAAAAAAAAAAAAAAAAAAAAAAAAAAAAAAAAAAAAAAAAAAAAAAAAAAAAAAAAAAAAAFAAAADwAAAAAAAAAAAAAAAAAAAkUAAAAAQAAABQAAAAUAAAAFAAAAAEAAAAAAAAAZAAAAGQAAAAAAAAAZAAAAGQAAAAVAAAAYAAAAAAAAAAAAAAADwAAACADAAAAAAAAAAAAAAEAAACgMgAAVgcAAKr4//8BAAAAf39/AAEAAABkAAAAAAAAABQAAABAHwAAAAAAACYAAAAAAAAAwOD//wAAAAAmAAAAZAAAABYAAABMAAAAAAAAAAAAAAAEAAAAAAAAAAEAAACAgIAKAAAAACgAAAAoAAAAZAAAAGQAAAAAAAAAzMzMAAAAAABQAAAAUAAAAGQAAABkAAAAAAAAABcAAAAUAAAAAAAAAAAAAAD/fwAA/38AAAAAAAAJAAAABAAAAGQAAAAMAAAAEAAAAAAAAAAAAAAAAAAAAAAAAAAeAAAAaAAAAAAAAAAAAAAAAAAAAAAAAAAAAAAAECcAABAnAAAAAAAAAAAAAAAAAAAAAAAAAAAAAAAAAAAAAAAAAAAAABQAAAAAAAAAwMD/AAAAAABkAAAAMgAAAAAAAABkAAAAAAAAAH9/fwAKAAAAHwAAAFQAAAAAAAAFAAAAAQAAAAAAAAAAAAAAAAAAAAAAAAAAAAAAAAAAAAAAAAAAAAAAAn9/fwAAAAADzMzMAMDA/wB/f38AAAAAAAAAAAAAAAAAAAAAAAAAAAAhAAAAGAAAABQAAADQAgAA1AgAAFIVAACwJQAAEAAAACYAAAAIAAAAAYAAAAAAAAA="/>
               </a:ext>
             </a:extLst>
           </p:cNvSpPr>
@@ -2385,7 +2386,7 @@
             <a:spLocks noGrp="1" noChangeArrowheads="1"/>
             <a:extLst>
               <a:ext uri="smNativeData">
-                <pr:smNativeData xmlns:pr="smNativeData" val="SMDATA_13_Na6sYxMAAAAlAAAAZAAAAA8BAAAAkAAAAEgAAACQAAAASAAAAAAAAAABAAAAAAAAAAEAAABQAAAAAAAAAAAA4D8AAAAAAADgPwAAAAAAAOA/AAAAAAAA4D8AAAAAAADgPwAAAAAAAOA/AAAAAAAA4D8AAAAAAADgPwAAAAAAAOA/AAAAAAAA4D8CAAAAjAAAAAAAAAAAAAAAu+DjDP///wgAAAAAAAAAAAAAAAAAAAAAAAAAAAAAAAAAAAAAZAAAAAEAAABAAAAAAAAAAAAAAAAAAAAAAAAAAAAAAAAAAAAAAAAAAAAAAAAAAAAAAAAAAAAAAAAAAAAAAAAAAAAAAAAAAAAAAAAAAAAAAAAAAAAAAAAAAAAAAAAAAAAAFAAAADwAAAAAAAAAAAAAAAAAAAkUAAAAAQAAABQAAAAUAAAAFAAAAAEAAAAAAAAAZAAAAGQAAAAAAAAAZAAAAGQAAAAVAAAAYAAAAAAAAAAAAAAADwAAACADAAAAAAAAAAAAAAEAAACgMgAAVgcAAKr4//8BAAAAf39/AAEAAABkAAAAAAAAABQAAABAHwAAAAAAACYAAAAAAAAAwOD//wAAAAAmAAAAZAAAABYAAABMAAAAAAAAAAAAAAAEAAAAAAAAAAEAAACAgIAKAAAAACgAAAAoAAAAZAAAAGQAAAAAAAAAzMzMAAAAAABQAAAAUAAAAGQAAABkAAAAAAAAABcAAAAUAAAAAAAAAAAAAAD/fwAA/38AAAAAAAAJAAAABAAAAAAAAAAMAAAAEAAAAAAAAAAAAAAAAAAAAAAAAAAeAAAAaAAAAAAAAAAAAAAAAAAAAAAAAAAAAAAAECcAABAnAAAAAAAAAAAAAAAAAAAAAAAAAAAAAAAAAAAAAAAAAAAAABQAAAAAAAAAwMD/AAAAAABkAAAAMgAAAAAAAABkAAAAAAAAAH9/fwAKAAAAHwAAAFQAAAAAAAAFAAAAAQAAAAAAAAAAAAAAAAAAAAAAAAAAAAAAAAAAAAAAAAAAAAAAAn9/fwAAAAADzMzMAMDA/wB/f38AAAAAAAAAAAAAAAAAAAAAAAAAAAAhAAAAGAAAABQAAADQAgAAGycAAPAPAABZKQAAEAAAACYAAAAIAAAAAAAAAAAAAAA="/>
+                <pr:smNativeData xmlns:pr="smNativeData" val="SMDATA_13_8OOwYxMAAAAlAAAAZAAAAA8BAAAAkAAAAEgAAACQAAAASAAAAAAAAAABAAAAAAAAAAEAAABQAAAAAAAAAAAA4D8AAAAAAADgPwAAAAAAAOA/AAAAAAAA4D8AAAAAAADgPwAAAAAAAOA/AAAAAAAA4D8AAAAAAADgPwAAAAAAAOA/AAAAAAAA4D8CAAAAjAAAAAAAAAAAAAAAu+DjDP///wgAAAAAAAAAAAAAAAAAAAAAAAAAAAAAAAAAAAAAZAAAAAEAAABAAAAAAAAAAAAAAAAAAAAAAAAAAAAAAAAAAAAAAAAAAAAAAAAAAAAAAAAAAAAAAAAAAAAAAAAAAAAAAAAAAAAAAAAAAAAAAAAAAAAAAAAAAAAAAAAAAAAAFAAAADwAAAAAAAAAAAAAAAAAAAkUAAAAAQAAABQAAAAUAAAAFAAAAAEAAAAAAAAAZAAAAGQAAAAAAAAAZAAAAGQAAAAVAAAAYAAAAAAAAAAAAAAADwAAACADAAAAAAAAAAAAAAEAAACgMgAAVgcAAKr4//8BAAAAf39/AAEAAABkAAAAAAAAABQAAABAHwAAAAAAACYAAAAAAAAAwOD//wAAAAAmAAAAZAAAABYAAABMAAAAAAAAAAAAAAAEAAAAAAAAAAEAAACAgIAKAAAAACgAAAAoAAAAZAAAAGQAAAAAAAAAzMzMAAAAAABQAAAAUAAAAGQAAABkAAAAAAAAABcAAAAUAAAAAAAAAAAAAAD/fwAA/38AAAAAAAAJAAAABAAAAAAAAAAMAAAAEAAAAAAAAAAAAAAAAAAAAAAAAAAeAAAAaAAAAAAAAAAAAAAAAAAAAAAAAAAAAAAAECcAABAnAAAAAAAAAAAAAAAAAAAAAAAAAAAAAAAAAAAAAAAAAAAAABQAAAAAAAAAwMD/AAAAAABkAAAAMgAAAAAAAABkAAAAAAAAAH9/fwAKAAAAHwAAAFQAAAAAAAAFAAAAAQAAAAAAAAAAAAAAAAAAAAAAAAAAAAAAAAAAAAAAAAAAAAAAAn9/fwAAAAADzMzMAMDA/wB/f38AAAAAAAAAAAAAAAAAAAAAAAAAAAAhAAAAGAAAABQAAADQAgAAGycAAPAPAABZKQAAEAAAACYAAAAIAAAAAAAAAAAAAAA="/>
               </a:ext>
             </a:extLst>
           </p:cNvSpPr>
@@ -2399,7 +2400,7 @@
           <a:lstStyle/>
           <a:p>
             <a:pPr/>
-            <a:fld id="{1CB532DD-93F1-E0C4-BF0D-65917C434930}" type="datetime1">
+            <a:fld id="{0B3B7C8A-C4E6-6E8A-A883-32DF32CD5E67}" type="datetime1">
               <a:t/>
             </a:fld>
           </a:p>
@@ -2412,7 +2413,7 @@
             <a:spLocks noGrp="1" noChangeArrowheads="1"/>
             <a:extLst>
               <a:ext uri="smNativeData">
-                <pr:smNativeData xmlns:pr="smNativeData" val="SMDATA_13_Na6sYxMAAAAlAAAAZAAAAA8BAAAAkAAAAEgAAACQAAAASAAAAAAAAAABAAAAAAAAAAEAAABQAAAAAAAAAAAA4D8AAAAAAADgPwAAAAAAAOA/AAAAAAAA4D8AAAAAAADgPwAAAAAAAOA/AAAAAAAA4D8AAAAAAADgPwAAAAAAAOA/AAAAAAAA4D8CAAAAjAAAAAAAAAAAAAAAu+DjDP///wgAAAAAAAAAAAAAAAAAAAAAAAAAAAAAAAAAAAAAZAAAAAEAAABAAAAAAAAAAAAAAAAAAAAAAAAAAAAAAAAAAAAAAAAAAAAAAAAAAAAAAAAAAAAAAAAAAAAAAAAAAAAAAAAAAAAAAAAAAAAAAAAAAAAAAAAAAAAAAAAAAAAAFAAAADwAAAAAAAAAAAAAAAAAAAkUAAAAAQAAABQAAAAUAAAAFAAAAAEAAAAAAAAAZAAAAGQAAAAAAAAAZAAAAGQAAAAVAAAAYAAAAAAAAAAAAAAADwAAACADAAAAAAAAAAAAAAEAAACgMgAAVgcAAKr4//8BAAAAf39/AAEAAABkAAAAAAAAABQAAABAHwAAAAAAACYAAAAAAAAAwOD//wAAAAAmAAAAZAAAABYAAABMAAAAAAAAAAAAAAAEAAAAAAAAAAEAAACAgIAKAAAAACgAAAAoAAAAZAAAAGQAAAAAAAAAzMzMAAAAAABQAAAAUAAAAGQAAABkAAAAAAAAABcAAAAUAAAAAAAAAAAAAAD/fwAA/38AAAAAAAAJAAAABAAAAAAAAAAMAAAAEAAAAAAAAAAAAAAAAAAAAAAAAAAeAAAAaAAAAAAAAAAAAAAAAAAAAAAAAAAAAAAAECcAABAnAAAAAAAAAAAAAAAAAAAAAAAAAAAAAAAAAAAAAAAAAAAAABQAAAAAAAAAwMD/AAAAAABkAAAAMgAAAAAAAABkAAAAAAAAAH9/fwAKAAAAHwAAAFQAAAAAAAAFAAAAAQAAAAAAAAAAAAAAAAAAAAAAAAAAAAAAAAAAAAAAAAAAAAAAAn9/fwAAAAADzMzMAMDA/wB/f38AAAAAAAAAAAAAAAAAAAAAAAAAAAAhAAAAGAAAABQAAAA4EwAAGycAAAglAABZKQAAEAAAACYAAAAIAAAAAAAAAAAAAAA="/>
+                <pr:smNativeData xmlns:pr="smNativeData" val="SMDATA_13_8OOwYxMAAAAlAAAAZAAAAA8BAAAAkAAAAEgAAACQAAAASAAAAAAAAAABAAAAAAAAAAEAAABQAAAAAAAAAAAA4D8AAAAAAADgPwAAAAAAAOA/AAAAAAAA4D8AAAAAAADgPwAAAAAAAOA/AAAAAAAA4D8AAAAAAADgPwAAAAAAAOA/AAAAAAAA4D8CAAAAjAAAAAAAAAAAAAAAu+DjDP///wgAAAAAAAAAAAAAAAAAAAAAAAAAAAAAAAAAAAAAZAAAAAEAAABAAAAAAAAAAAAAAAAAAAAAAAAAAAAAAAAAAAAAAAAAAAAAAAAAAAAAAAAAAAAAAAAAAAAAAAAAAAAAAAAAAAAAAAAAAAAAAAAAAAAAAAAAAAAAAAAAAAAAFAAAADwAAAAAAAAAAAAAAAAAAAkUAAAAAQAAABQAAAAUAAAAFAAAAAEAAAAAAAAAZAAAAGQAAAAAAAAAZAAAAGQAAAAVAAAAYAAAAAAAAAAAAAAADwAAACADAAAAAAAAAAAAAAEAAACgMgAAVgcAAKr4//8BAAAAf39/AAEAAABkAAAAAAAAABQAAABAHwAAAAAAACYAAAAAAAAAwOD//wAAAAAmAAAAZAAAABYAAABMAAAAAAAAAAAAAAAEAAAAAAAAAAEAAACAgIAKAAAAACgAAAAoAAAAZAAAAGQAAAAAAAAAzMzMAAAAAABQAAAAUAAAAGQAAABkAAAAAAAAABcAAAAUAAAAAAAAAAAAAAD/fwAA/38AAAAAAAAJAAAABAAAAAAAAAAMAAAAEAAAAAAAAAAAAAAAAAAAAAAAAAAeAAAAaAAAAAAAAAAAAAAAAAAAAAAAAAAAAAAAECcAABAnAAAAAAAAAAAAAAAAAAAAAAAAAAAAAAAAAAAAAAAAAAAAABQAAAAAAAAAwMD/AAAAAABkAAAAMgAAAAAAAABkAAAAAAAAAH9/fwAKAAAAHwAAAFQAAAAAAAAFAAAAAQAAAAAAAAAAAAAAAAAAAAAAAAAAAAAAAAAAAAAAAAAAAAAAAn9/fwAAAAADzMzMAMDA/wB/f38AAAAAAAAAAAAAAAAAAAAAAAAAAAAhAAAAGAAAABQAAAA4EwAAGycAAAglAABZKQAAEAAAACYAAAAIAAAAAAAAAAAAAAA="/>
               </a:ext>
             </a:extLst>
           </p:cNvSpPr>
@@ -2436,7 +2437,7 @@
             <a:spLocks noGrp="1" noChangeArrowheads="1"/>
             <a:extLst>
               <a:ext uri="smNativeData">
-                <pr:smNativeData xmlns:pr="smNativeData" val="SMDATA_13_Na6sYxMAAAAlAAAAZAAAAA8BAAAAkAAAAEgAAACQAAAASAAAAAAAAAABAAAAAAAAAAEAAABQAAAAAAAAAAAA4D8AAAAAAADgPwAAAAAAAOA/AAAAAAAA4D8AAAAAAADgPwAAAAAAAOA/AAAAAAAA4D8AAAAAAADgPwAAAAAAAOA/AAAAAAAA4D8CAAAAjAAAAAAAAAAAAAAAu+DjDP///wgAAAAAAAAAAAAAAAAAAAAAAAAAAAAAAAAAAAAAZAAAAAEAAABAAAAAAAAAAAAAAAAAAAAAAAAAAAAAAAAAAAAAAAAAAAAAAAAAAAAAAAAAAAAAAAAAAAAAAAAAAAAAAAAAAAAAAAAAAAAAAAAAAAAAAAAAAAAAAAAAAAAAFAAAADwAAAAAAAAAAAAAAAAAAAkUAAAAAQAAABQAAAAUAAAAFAAAAAEAAAAAAAAAZAAAAGQAAAAAAAAAZAAAAGQAAAAVAAAAYAAAAAAAAAAAAAAADwAAACADAAAAAAAAAAAAAAEAAACgMgAAVgcAAKr4//8BAAAAf39/AAEAAABkAAAAAAAAABQAAABAHwAAAAAAACYAAAAAAAAAwOD//wAAAAAmAAAAZAAAABYAAABMAAAAAAAAAAAAAAAEAAAAAAAAAAEAAACAgIAKAAAAACgAAAAoAAAAZAAAAGQAAAAAAAAAzMzMAAAAAABQAAAAUAAAAGQAAABkAAAAAAAAABcAAAAUAAAAAAAAAAAAAAD/fwAA/38AAAAAAAAJAAAABAAAAAAAAAAMAAAAEAAAAAAAAAAAAAAAAAAAAAAAAAAeAAAAaAAAAAAAAAAAAAAAAAAAAAAAAAAAAAAAECcAABAnAAAAAAAAAAAAAAAAAAAAAAAAAAAAAAAAAAAAAAAAAAAAABQAAAAAAAAAwMD/AAAAAABkAAAAMgAAAAAAAABkAAAAAAAAAH9/fwAKAAAAHwAAAFQAAAAAAAAFAAAAAQAAAAAAAAAAAAAAAAAAAAAAAAAAAAAAAAAAAAAAAAAAAAAAAn9/fwAAAAADzMzMAMDA/wB/f38AAAAAAAAAAAAAAAAAAAAAAAAAAAAhAAAAGAAAABQAAABQKAAAGycAAHA1AABZKQAAEAAAACYAAAAIAAAAAAAAAAAAAAA="/>
+                <pr:smNativeData xmlns:pr="smNativeData" val="SMDATA_13_8OOwYxMAAAAlAAAAZAAAAA8BAAAAkAAAAEgAAACQAAAASAAAAAAAAAABAAAAAAAAAAEAAABQAAAAAAAAAAAA4D8AAAAAAADgPwAAAAAAAOA/AAAAAAAA4D8AAAAAAADgPwAAAAAAAOA/AAAAAAAA4D8AAAAAAADgPwAAAAAAAOA/AAAAAAAA4D8CAAAAjAAAAAAAAAAAAAAAu+DjDP///wgAAAAAAAAAAAAAAAAAAAAAAAAAAAAAAAAAAAAAZAAAAAEAAABAAAAAAAAAAAAAAAAAAAAAAAAAAAAAAAAAAAAAAAAAAAAAAAAAAAAAAAAAAAAAAAAAAAAAAAAAAAAAAAAAAAAAAAAAAAAAAAAAAAAAAAAAAAAAAAAAAAAAFAAAADwAAAAAAAAAAAAAAAAAAAkUAAAAAQAAABQAAAAUAAAAFAAAAAEAAAAAAAAAZAAAAGQAAAAAAAAAZAAAAGQAAAAVAAAAYAAAAAAAAAAAAAAADwAAACADAAAAAAAAAAAAAAEAAACgMgAAVgcAAKr4//8BAAAAf39/AAEAAABkAAAAAAAAABQAAABAHwAAAAAAACYAAAAAAAAAwOD//wAAAAAmAAAAZAAAABYAAABMAAAAAAAAAAAAAAAEAAAAAAAAAAEAAACAgIAKAAAAACgAAAAoAAAAZAAAAGQAAAAAAAAAzMzMAAAAAABQAAAAUAAAAGQAAABkAAAAAAAAABcAAAAUAAAAAAAAAAAAAAD/fwAA/38AAAAAAAAJAAAABAAAAAAAAAAMAAAAEAAAAAAAAAAAAAAAAAAAAAAAAAAeAAAAaAAAAAAAAAAAAAAAAAAAAAAAAAAAAAAAECcAABAnAAAAAAAAAAAAAAAAAAAAAAAAAAAAAAAAAAAAAAAAAAAAABQAAAAAAAAAwMD/AAAAAABkAAAAMgAAAAAAAABkAAAAAAAAAH9/fwAKAAAAHwAAAFQAAAAAAAAFAAAAAQAAAAAAAAAAAAAAAAAAAAAAAAAAAAAAAAAAAAAAAAAAAAAAAn9/fwAAAAADzMzMAMDA/wB/f38AAAAAAAAAAAAAAAAAAAAAAAAAAAAhAAAAGAAAABQAAABQKAAAGycAAHA1AABZKQAAEAAAACYAAAAIAAAAAAAAAAAAAAA="/>
               </a:ext>
             </a:extLst>
           </p:cNvSpPr>
@@ -2450,7 +2451,7 @@
           <a:lstStyle/>
           <a:p>
             <a:pPr/>
-            <a:fld id="{1CB5799C-D2F1-E08F-BF0D-24DA37434971}" type="slidenum">
+            <a:fld id="{0B3B0EA9-E7E6-6EF8-A883-11AD40CD5E44}" type="slidenum">
               <a:t/>
             </a:fld>
           </a:p>
@@ -2488,7 +2489,7 @@
             <a:spLocks noGrp="1" noChangeArrowheads="1"/>
             <a:extLst>
               <a:ext uri="smNativeData">
-                <pr:smNativeData xmlns:pr="smNativeData" val="SMDATA_13_Na6sYxMAAAAlAAAAZAAAAA8BAAAAkAAAAEgAAACQAAAASAAAAAAAAAACAAAAAAAAAAEAAABQAAAAAAAAAAAA4D8AAAAAAADgPwAAAAAAAOA/AAAAAAAA4D8AAAAAAADgPwAAAAAAAOA/AAAAAAAA4D8AAAAAAADgPwAAAAAAAOA/AAAAAAAA4D8CAAAAjAAAAAAAAAAAAAAAu+DjDP///wgAAAAAAAAAAAAAAAAAAAAAAAAAAAAAAAAAAAAAZAAAAAEAAABAAAAAAAAAAAAAAAAAAAAAAAAAAAAAAAAAAAAAAAAAAAAAAAAAAAAAAAAAAAAAAAAAAAAAAAAAAAAAAAAAAAAAAAAAAAAAAAAAAAAAAAAAAAAAAAAAAAAAFAAAADwAAAAAAAAAAAAAAAAAAAkUAAAAAQAAABQAAAAUAAAAFAAAAAEAAAAAAAAAZAAAAGQAAAAAAAAAZAAAAGQAAAAVAAAAYAAAAAAAAAAAAAAADwAAACADAAAAAAAAAAAAAAEAAACgMgAAVgcAAKr4//8BAAAAf39/AAEAAABkAAAAAAAAABQAAABAHwAAAAAAACYAAAAAAAAAwOD//wAAAAAmAAAAZAAAABYAAABMAAAAAAAAAAAAAAAEAAAAAAAAAAEAAACAgIAKAAAAACgAAAAoAAAAZAAAAGQAAAAAAAAAzMzMAAAAAABQAAAAUAAAAGQAAABkAAAAAAAAABcAAAAUAAAAAAAAAAAAAAD/fwAA/38AAAAAAAAJAAAABAAAAH9/fwAMAAAAEAAAAAAAAAAAAAAAAAAAAAAAAAAeAAAAaAAAAAAAAAAAAAAAAAAAAAAAAAAAAAAAECcAABAnAAAAAAAAAAAAAAAAAAAAAAAAAAAAAAAAAAAAAAAAAAAAABQAAAAAAAAAwMD/AAAAAABkAAAAMgAAAAAAAABkAAAAAAAAAH9/fwAKAAAAHwAAAFQAAAAAAAAFAAAAAQAAAAAAAAAAAAAAAAAAAAAAAAAAAAAAAAAAAAAAAAAAAAAAAn9/fwAAAAADzMzMAMDA/wB/f38AAAAAAAAAAAAAAAAAAAAAAAAAAAAhAAAAGAAAABQAAAAGCwAAiB0AAMYsAAAEIQAAEAAAACYAAAAIAAAAgYAAAAAAAAA="/>
+                <pr:smNativeData xmlns:pr="smNativeData" val="SMDATA_13_8OOwYxMAAAAlAAAAZAAAAA8BAAAAkAAAAEgAAACQAAAASAAAAAAAAAACAAAAAAAAAAEAAABQAAAAAAAAAAAA4D8AAAAAAADgPwAAAAAAAOA/AAAAAAAA4D8AAAAAAADgPwAAAAAAAOA/AAAAAAAA4D8AAAAAAADgPwAAAAAAAOA/AAAAAAAA4D8CAAAAjAAAAAAAAAAAAAAAu+DjDP///wgAAAAAAAAAAAAAAAAAAAAAAAAAAAAAAAAAAAAAZAAAAAEAAABAAAAAAAAAAAAAAAAAAAAAAAAAAAAAAAAAAAAAAAAAAAAAAAAAAAAAAAAAAAAAAAAAAAAAAAAAAAAAAAAAAAAAAAAAAAAAAAAAAAAAAAAAAAAAAAAAAAAAFAAAADwAAAAAAAAAAAAAAAAAAAkUAAAAAQAAABQAAAAUAAAAFAAAAAEAAAAAAAAAZAAAAGQAAAAAAAAAZAAAAGQAAAAVAAAAYAAAAAAAAAAAAAAADwAAACADAAAAAAAAAAAAAAEAAACgMgAAVgcAAKr4//8BAAAAf39/AAEAAABkAAAAAAAAABQAAABAHwAAAAAAACYAAAAAAAAAwOD//wAAAAAmAAAAZAAAABYAAABMAAAAAAAAAAAAAAAEAAAAAAAAAAEAAACAgIAKAAAAACgAAAAoAAAAZAAAAGQAAAAAAAAAzMzMAAAAAABQAAAAUAAAAGQAAABkAAAAAAAAABcAAAAUAAAAAAAAAAAAAAD/fwAA/38AAAAAAAAJAAAABAAAAH9/fwAMAAAAEAAAAAAAAAAAAAAAAAAAAAAAAAAeAAAAaAAAAAAAAAAAAAAAAAAAAAAAAAAAAAAAECcAABAnAAAAAAAAAAAAAAAAAAAAAAAAAAAAAAAAAAAAAAAAAAAAABQAAAAAAAAAwMD/AAAAAABkAAAAMgAAAAAAAABkAAAAAAAAAH9/fwAKAAAAHwAAAFQAAAAAAAAFAAAAAQAAAAAAAAAAAAAAAAAAAAAAAAAAAAAAAAAAAAAAAAAAAAAAAn9/fwAAAAADzMzMAMDA/wB/f38AAAAAAAAAAAAAAAAAAAAAAAAAAAAhAAAAGAAAABQAAAAGCwAAiB0AAMYsAAAEIQAAEAAAACYAAAAIAAAAgYAAAAAAAAA="/>
               </a:ext>
             </a:extLst>
           </p:cNvSpPr>
@@ -2528,7 +2529,7 @@
             <a:spLocks noGrp="1" noChangeArrowheads="1"/>
             <a:extLst>
               <a:ext uri="smNativeData">
-                <pr:smNativeData xmlns:pr="smNativeData" val="SMDATA_13_Na6sYxMAAAAlAAAAZAAAAA8BAAAAkAAAAEgAAACQAAAASAAAAAAAAAAAAAAAAAAAAAEAAABQAAAAAAAAAAAA4D8AAAAAAADgPwAAAAAAAOA/AAAAAAAA4D8AAAAAAADgPwAAAAAAAOA/AAAAAAAA4D8AAAAAAADgPwAAAAAAAOA/AAAAAAAA4D8CAAAAjAAAAAAAAAAAAAAAu+DjDP///wgAAAAAAAAAAAAAAAAAAAAAAAAAAAAAAAAAAAAAZAAAAAEAAABAAAAAAAAAAAAAAAAAAAAAAAAAAAAAAAAAAAAAAAAAAAAAAAAAAAAAAAAAAAAAAAAAAAAAAAAAAAAAAAAAAAAAAAAAAAAAAAAAAAAAAAAAAAAAAAAAAAAAFAAAADwAAAAAAAAAAAAAAAAAAAkUAAAAAQAAABQAAAAUAAAAFAAAAAEAAAAAAAAAZAAAAGQAAAAAAAAAZAAAAGQAAAAVAAAAYAAAAAAAAAAAAAAADwAAACADAAAAAAAAAAAAAAEAAACgMgAAVgcAAKr4//8BAAAAf39/AAEAAABkAAAAAAAAABQAAABAHwAAAAAAACYAAAAAAAAAwOD//wAAAAAmAAAAZAAAABYAAABMAAAAAAAAAAAAAAAEAAAAAAAAAAEAAACAgIAKAAAAACgAAAAoAAAAZAAAAGQAAAAAAAAAzMzMAAAAAABQAAAAUAAAAGQAAABkAAAAAAAAABcAAAAUAAAAAAAAAAAAAAD/fwAA/38AAAAAAAAJAAAABAAAAAAAAAAMAAAAEAAAAAAAAAAAAAAAAAAAAAAAAAAeAAAAaAAAAAAAAAAAAAAAAAAAAAAAAAAAAAAAECcAABAnAAAAAAAAAAAAAAAAAAAAAAAAAAAAAAAAAAAAAAAAAAAAABQAAAAAAAAAwMD/AAAAAABkAAAAMgAAAAAAAABkAAAAAAAAAH9/fwAKAAAAHwAAAFQAAAAAAAAFAAAAAQAAAAAAAAAAAAAAAAAAAAAAAAAAAAAAAAAAAAAAAAAAAAAAAn9/fwAAAAADzMzMAMDA/wB/f38AAAAAAAAAAAAAAAAAAAAAAAAAAAAhAAAAGAAAABQAAAAGCwAAxgMAAMYsAAAWHQAAEAAAACYAAAAIAAAAAYAAAAAAAAA="/>
+                <pr:smNativeData xmlns:pr="smNativeData" val="SMDATA_13_8OOwYxMAAAAlAAAAZAAAAA8BAAAAkAAAAEgAAACQAAAASAAAAAAAAAAAAAAAAAAAAAEAAABQAAAAAAAAAAAA4D8AAAAAAADgPwAAAAAAAOA/AAAAAAAA4D8AAAAAAADgPwAAAAAAAOA/AAAAAAAA4D8AAAAAAADgPwAAAAAAAOA/AAAAAAAA4D8CAAAAjAAAAAAAAAAAAAAAu+DjDP///wgAAAAAAAAAAAAAAAAAAAAAAAAAAAAAAAAAAAAAZAAAAAEAAABAAAAAAAAAAAAAAAAAAAAAAAAAAAAAAAAAAAAAAAAAAAAAAAAAAAAAAAAAAAAAAAAAAAAAAAAAAAAAAAAAAAAAAAAAAAAAAAAAAAAAAAAAAAAAAAAAAAAAFAAAADwAAAAAAAAAAAAAAAAAAAkUAAAAAQAAABQAAAAUAAAAFAAAAAEAAAAAAAAAZAAAAGQAAAAAAAAAZAAAAGQAAAAVAAAAYAAAAAAAAAAAAAAADwAAACADAAAAAAAAAAAAAAEAAACgMgAAVgcAAKr4//8BAAAAf39/AAEAAABkAAAAAAAAABQAAABAHwAAAAAAACYAAAAAAAAAwOD//wAAAAAmAAAAZAAAABYAAABMAAAAAAAAAAAAAAAEAAAAAAAAAAEAAACAgIAKAAAAACgAAAAoAAAAZAAAAGQAAAAAAAAAzMzMAAAAAABQAAAAUAAAAGQAAABkAAAAAAAAABcAAAAUAAAAAAAAAAAAAAD/fwAA/38AAAAAAAAJAAAABAAAAAAAAAAMAAAAEAAAAAAAAAAAAAAAAAAAAAAAAAAeAAAAaAAAAAAAAAAAAAAAAAAAAAAAAAAAAAAAECcAABAnAAAAAAAAAAAAAAAAAAAAAAAAAAAAAAAAAAAAAAAAAAAAABQAAAAAAAAAwMD/AAAAAABkAAAAMgAAAAAAAABkAAAAAAAAAH9/fwAKAAAAHwAAAFQAAAAAAAAFAAAAAQAAAAAAAAAAAAAAAAAAAAAAAAAAAAAAAAAAAAAAAAAAAAAAAn9/fwAAAAADzMzMAMDA/wB/f38AAAAAAAAAAAAAAAAAAAAAAAAAAAAhAAAAGAAAABQAAAAGCwAAxgMAAMYsAAAWHQAAEAAAACYAAAAIAAAAAYAAAAAAAAA="/>
               </a:ext>
             </a:extLst>
           </p:cNvSpPr>
@@ -2597,7 +2598,7 @@
             <a:spLocks noGrp="1" noChangeArrowheads="1"/>
             <a:extLst>
               <a:ext uri="smNativeData">
-                <pr:smNativeData xmlns:pr="smNativeData" val="SMDATA_13_Na6sYxMAAAAlAAAAZAAAAA8BAAAAkAAAAEgAAACQAAAASAAAAAAAAAAAAAAAAAAAAAEAAABQAAAAAAAAAAAA4D8AAAAAAADgPwAAAAAAAOA/AAAAAAAA4D8AAAAAAADgPwAAAAAAAOA/AAAAAAAA4D8AAAAAAADgPwAAAAAAAOA/AAAAAAAA4D8CAAAAjAAAAAAAAAAAAAAAu+DjDP///wgAAAAAAAAAAAAAAAAAAAAAAAAAAAAAAAAAAAAAZAAAAAEAAABAAAAAAAAAAAAAAAAAAAAAAAAAAAAAAAAAAAAAAAAAAAAAAAAAAAAAAAAAAAAAAAAAAAAAAAAAAAAAAAAAAAAAAAAAAAAAAAAAAAAAAAAAAAAAAAAAAAAAFAAAADwAAAAAAAAAAAAAAAAAAAkUAAAAAQAAABQAAAAUAAAAFAAAAAEAAAAAAAAAZAAAAGQAAAAAAAAAZAAAAGQAAAAVAAAAYAAAAAAAAAAAAAAADwAAACADAAAAAAAAAAAAAAEAAACgMgAAVgcAAKr4//8BAAAAf39/AAEAAABkAAAAAAAAABQAAABAHwAAAAAAACYAAAAAAAAAwOD//wAAAAAmAAAAZAAAABYAAABMAAAAAAAAAAAAAAAEAAAAAAAAAAEAAACAgIAKAAAAACgAAAAoAAAAZAAAAGQAAAAAAAAAzMzMAAAAAABQAAAAUAAAAGQAAABkAAAAAAAAABcAAAAUAAAAAAAAAAAAAAD/fwAA/38AAAAAAAAJAAAABAAAAAAAAAAMAAAAEAAAAAAAAAAAAAAAAAAAAAAAAAAeAAAAaAAAAAAAAAAAAAAAAAAAAAAAAAAAAAAAECcAABAnAAAAAAAAAAAAAAAAAAAAAAAAAAAAAAAAAAAAAAAAAAAAABQAAAAAAAAAwMD/AAAAAABkAAAAMgAAAAAAAABkAAAAAAAAAH9/fwAKAAAAHwAAAFQAAAAAAAAFAAAAAQAAAAAAAAAAAAAAAAAAAAAAAAAAAAAAAAAAAAAAAAAAAAAAAn9/fwAAAAADzMzMAMDA/wB/f38AAAAAAAAAAAAAAAAAAAAAAAAAAAAhAAAAGAAAABQAAAAGCwAABCEAAMYsAAD4JQAAEAAAACYAAAAIAAAAAYAAAAAAAAA="/>
+                <pr:smNativeData xmlns:pr="smNativeData" val="SMDATA_13_8OOwYxMAAAAlAAAAZAAAAA8BAAAAkAAAAEgAAACQAAAASAAAAAAAAAAAAAAAAAAAAAEAAABQAAAAAAAAAAAA4D8AAAAAAADgPwAAAAAAAOA/AAAAAAAA4D8AAAAAAADgPwAAAAAAAOA/AAAAAAAA4D8AAAAAAADgPwAAAAAAAOA/AAAAAAAA4D8CAAAAjAAAAAAAAAAAAAAAu+DjDP///wgAAAAAAAAAAAAAAAAAAAAAAAAAAAAAAAAAAAAAZAAAAAEAAABAAAAAAAAAAAAAAAAAAAAAAAAAAAAAAAAAAAAAAAAAAAAAAAAAAAAAAAAAAAAAAAAAAAAAAAAAAAAAAAAAAAAAAAAAAAAAAAAAAAAAAAAAAAAAAAAAAAAAFAAAADwAAAAAAAAAAAAAAAAAAAkUAAAAAQAAABQAAAAUAAAAFAAAAAEAAAAAAAAAZAAAAGQAAAAAAAAAZAAAAGQAAAAVAAAAYAAAAAAAAAAAAAAADwAAACADAAAAAAAAAAAAAAEAAACgMgAAVgcAAKr4//8BAAAAf39/AAEAAABkAAAAAAAAABQAAABAHwAAAAAAACYAAAAAAAAAwOD//wAAAAAmAAAAZAAAABYAAABMAAAAAAAAAAAAAAAEAAAAAAAAAAEAAACAgIAKAAAAACgAAAAoAAAAZAAAAGQAAAAAAAAAzMzMAAAAAABQAAAAUAAAAGQAAABkAAAAAAAAABcAAAAUAAAAAAAAAAAAAAD/fwAA/38AAAAAAAAJAAAABAAAAAAAAAAMAAAAEAAAAAAAAAAAAAAAAAAAAAAAAAAeAAAAaAAAAAAAAAAAAAAAAAAAAAAAAAAAAAAAECcAABAnAAAAAAAAAAAAAAAAAAAAAAAAAAAAAAAAAAAAAAAAAAAAABQAAAAAAAAAwMD/AAAAAABkAAAAMgAAAAAAAABkAAAAAAAAAH9/fwAKAAAAHwAAAFQAAAAAAAAFAAAAAQAAAAAAAAAAAAAAAAAAAAAAAAAAAAAAAAAAAAAAAAAAAAAAAn9/fwAAAAADzMzMAMDA/wB/f38AAAAAAAAAAAAAAAAAAAAAAAAAAAAhAAAAGAAAABQAAAAGCwAABCEAAMYsAAD4JQAAEAAAACYAAAAIAAAAAYAAAAAAAAA="/>
               </a:ext>
             </a:extLst>
           </p:cNvSpPr>
@@ -2666,7 +2667,7 @@
             <a:spLocks noGrp="1" noChangeArrowheads="1"/>
             <a:extLst>
               <a:ext uri="smNativeData">
-                <pr:smNativeData xmlns:pr="smNativeData" val="SMDATA_13_Na6sYxMAAAAlAAAAZAAAAA8BAAAAkAAAAEgAAACQAAAASAAAAAAAAAABAAAAAAAAAAEAAABQAAAAAAAAAAAA4D8AAAAAAADgPwAAAAAAAOA/AAAAAAAA4D8AAAAAAADgPwAAAAAAAOA/AAAAAAAA4D8AAAAAAADgPwAAAAAAAOA/AAAAAAAA4D8CAAAAjAAAAAAAAAAAAAAAu+DjDP///wgAAAAAAAAAAAAAAAAAAAAAAAAAAAAAAAAAAAAAZAAAAAEAAABAAAAAAAAAAAAAAAAAAAAAAAAAAAAAAAAAAAAAAAAAAAAAAAAAAAAAAAAAAAAAAAAAAAAAAAAAAAAAAAAAAAAAAAAAAAAAAAAAAAAAAAAAAAAAAAAAAAAAFAAAADwAAAAAAAAAAAAAAAAAAAkUAAAAAQAAABQAAAAUAAAAFAAAAAEAAAAAAAAAZAAAAGQAAAAAAAAAZAAAAGQAAAAVAAAAYAAAAAAAAAAAAAAADwAAACADAAAAAAAAAAAAAAEAAACgMgAAVgcAAKr4//8BAAAAf39/AAEAAABkAAAAAAAAABQAAABAHwAAAAAAACYAAAAAAAAAwOD//wAAAAAmAAAAZAAAABYAAABMAAAAAAAAAAAAAAAEAAAAAAAAAAEAAACAgIAKAAAAACgAAAAoAAAAZAAAAGQAAAAAAAAAzMzMAAAAAABQAAAAUAAAAGQAAABkAAAAAAAAABcAAAAUAAAAAAAAAAAAAAD/fwAA/38AAAAAAAAJAAAABAAAAAAAAAAMAAAAEAAAAAAAAAAAAAAAAAAAAAAAAAAeAAAAaAAAAAAAAAAAAAAAAAAAAAAAAAAAAAAAECcAABAnAAAAAAAAAAAAAAAAAAAAAAAAAAAAAAAAAAAAAAAAAAAAABQAAAAAAAAAwMD/AAAAAABkAAAAMgAAAAAAAABkAAAAAAAAAH9/fwAKAAAAHwAAAFQAAAAAAAAFAAAAAQAAAAAAAAAAAAAAAAAAAAAAAAAAAAAAAAAAAAAAAAAAAAAAAn9/fwAAAAADzMzMAMDA/wB/f38AAAAAAAAAAAAAAAAAAAAAAAAAAAAhAAAAGAAAABQAAADQAgAAGycAAPAPAABZKQAAEAAAACYAAAAIAAAAAAAAAAAAAAA="/>
+                <pr:smNativeData xmlns:pr="smNativeData" val="SMDATA_13_8OOwYxMAAAAlAAAAZAAAAA8BAAAAkAAAAEgAAACQAAAASAAAAAAAAAABAAAAAAAAAAEAAABQAAAAAAAAAAAA4D8AAAAAAADgPwAAAAAAAOA/AAAAAAAA4D8AAAAAAADgPwAAAAAAAOA/AAAAAAAA4D8AAAAAAADgPwAAAAAAAOA/AAAAAAAA4D8CAAAAjAAAAAAAAAAAAAAAu+DjDP///wgAAAAAAAAAAAAAAAAAAAAAAAAAAAAAAAAAAAAAZAAAAAEAAABAAAAAAAAAAAAAAAAAAAAAAAAAAAAAAAAAAAAAAAAAAAAAAAAAAAAAAAAAAAAAAAAAAAAAAAAAAAAAAAAAAAAAAAAAAAAAAAAAAAAAAAAAAAAAAAAAAAAAFAAAADwAAAAAAAAAAAAAAAAAAAkUAAAAAQAAABQAAAAUAAAAFAAAAAEAAAAAAAAAZAAAAGQAAAAAAAAAZAAAAGQAAAAVAAAAYAAAAAAAAAAAAAAADwAAACADAAAAAAAAAAAAAAEAAACgMgAAVgcAAKr4//8BAAAAf39/AAEAAABkAAAAAAAAABQAAABAHwAAAAAAACYAAAAAAAAAwOD//wAAAAAmAAAAZAAAABYAAABMAAAAAAAAAAAAAAAEAAAAAAAAAAEAAACAgIAKAAAAACgAAAAoAAAAZAAAAGQAAAAAAAAAzMzMAAAAAABQAAAAUAAAAGQAAABkAAAAAAAAABcAAAAUAAAAAAAAAAAAAAD/fwAA/38AAAAAAAAJAAAABAAAAAAAAAAMAAAAEAAAAAAAAAAAAAAAAAAAAAAAAAAeAAAAaAAAAAAAAAAAAAAAAAAAAAAAAAAAAAAAECcAABAnAAAAAAAAAAAAAAAAAAAAAAAAAAAAAAAAAAAAAAAAAAAAABQAAAAAAAAAwMD/AAAAAABkAAAAMgAAAAAAAABkAAAAAAAAAH9/fwAKAAAAHwAAAFQAAAAAAAAFAAAAAQAAAAAAAAAAAAAAAAAAAAAAAAAAAAAAAAAAAAAAAAAAAAAAAn9/fwAAAAADzMzMAMDA/wB/f38AAAAAAAAAAAAAAAAAAAAAAAAAAAAhAAAAGAAAABQAAADQAgAAGycAAPAPAABZKQAAEAAAACYAAAAIAAAAAAAAAAAAAAA="/>
               </a:ext>
             </a:extLst>
           </p:cNvSpPr>
@@ -2680,7 +2681,7 @@
           <a:lstStyle/>
           <a:p>
             <a:pPr/>
-            <a:fld id="{1CB54AFB-B5F1-E0BC-BF0D-43E904434916}" type="datetime1">
+            <a:fld id="{0B3B08E6-A8E6-6EFE-A883-5EAB46CD5E0B}" type="datetime1">
               <a:t/>
             </a:fld>
           </a:p>
@@ -2693,7 +2694,7 @@
             <a:spLocks noGrp="1" noChangeArrowheads="1"/>
             <a:extLst>
               <a:ext uri="smNativeData">
-                <pr:smNativeData xmlns:pr="smNativeData" val="SMDATA_13_Na6sYxMAAAAlAAAAZAAAAA8BAAAAkAAAAEgAAACQAAAASAAAAAAAAAABAAAAAAAAAAEAAABQAAAAAAAAAAAA4D8AAAAAAADgPwAAAAAAAOA/AAAAAAAA4D8AAAAAAADgPwAAAAAAAOA/AAAAAAAA4D8AAAAAAADgPwAAAAAAAOA/AAAAAAAA4D8CAAAAjAAAAAAAAAAAAAAAu+DjDP///wgAAAAAAAAAAAAAAAAAAAAAAAAAAAAAAAAAAAAAZAAAAAEAAABAAAAAAAAAAAAAAAAAAAAAAAAAAAAAAAAAAAAAAAAAAAAAAAAAAAAAAAAAAAAAAAAAAAAAAAAAAAAAAAAAAAAAAAAAAAAAAAAAAAAAAAAAAAAAAAAAAAAAFAAAADwAAAAAAAAAAAAAAAAAAAkUAAAAAQAAABQAAAAUAAAAFAAAAAEAAAAAAAAAZAAAAGQAAAAAAAAAZAAAAGQAAAAVAAAAYAAAAAAAAAAAAAAADwAAACADAAAAAAAAAAAAAAEAAACgMgAAVgcAAKr4//8BAAAAf39/AAEAAABkAAAAAAAAABQAAABAHwAAAAAAACYAAAAAAAAAwOD//wAAAAAmAAAAZAAAABYAAABMAAAAAAAAAAAAAAAEAAAAAAAAAAEAAACAgIAKAAAAACgAAAAoAAAAZAAAAGQAAAAAAAAAzMzMAAAAAABQAAAAUAAAAGQAAABkAAAAAAAAABcAAAAUAAAAAAAAAAAAAAD/fwAA/38AAAAAAAAJAAAABAAAAAAAAAAMAAAAEAAAAAAAAAAAAAAAAAAAAAAAAAAeAAAAaAAAAAAAAAAAAAAAAAAAAAAAAAAAAAAAECcAABAnAAAAAAAAAAAAAAAAAAAAAAAAAAAAAAAAAAAAAAAAAAAAABQAAAAAAAAAwMD/AAAAAABkAAAAMgAAAAAAAABkAAAAAAAAAH9/fwAKAAAAHwAAAFQAAAAAAAAFAAAAAQAAAAAAAAAAAAAAAAAAAAAAAAAAAAAAAAAAAAAAAAAAAAAAAn9/fwAAAAADzMzMAMDA/wB/f38AAAAAAAAAAAAAAAAAAAAAAAAAAAAhAAAAGAAAABQAAAA4EwAAGycAAAglAABZKQAAEAAAACYAAAAIAAAAAAAAAAAAAAA="/>
+                <pr:smNativeData xmlns:pr="smNativeData" val="SMDATA_13_8OOwYxMAAAAlAAAAZAAAAA8BAAAAkAAAAEgAAACQAAAASAAAAAAAAAABAAAAAAAAAAEAAABQAAAAAAAAAAAA4D8AAAAAAADgPwAAAAAAAOA/AAAAAAAA4D8AAAAAAADgPwAAAAAAAOA/AAAAAAAA4D8AAAAAAADgPwAAAAAAAOA/AAAAAAAA4D8CAAAAjAAAAAAAAAAAAAAAu+DjDP///wgAAAAAAAAAAAAAAAAAAAAAAAAAAAAAAAAAAAAAZAAAAAEAAABAAAAAAAAAAAAAAAAAAAAAAAAAAAAAAAAAAAAAAAAAAAAAAAAAAAAAAAAAAAAAAAAAAAAAAAAAAAAAAAAAAAAAAAAAAAAAAAAAAAAAAAAAAAAAAAAAAAAAFAAAADwAAAAAAAAAAAAAAAAAAAkUAAAAAQAAABQAAAAUAAAAFAAAAAEAAAAAAAAAZAAAAGQAAAAAAAAAZAAAAGQAAAAVAAAAYAAAAAAAAAAAAAAADwAAACADAAAAAAAAAAAAAAEAAACgMgAAVgcAAKr4//8BAAAAf39/AAEAAABkAAAAAAAAABQAAABAHwAAAAAAACYAAAAAAAAAwOD//wAAAAAmAAAAZAAAABYAAABMAAAAAAAAAAAAAAAEAAAAAAAAAAEAAACAgIAKAAAAACgAAAAoAAAAZAAAAGQAAAAAAAAAzMzMAAAAAABQAAAAUAAAAGQAAABkAAAAAAAAABcAAAAUAAAAAAAAAAAAAAD/fwAA/38AAAAAAAAJAAAABAAAAAAAAAAMAAAAEAAAAAAAAAAAAAAAAAAAAAAAAAAeAAAAaAAAAAAAAAAAAAAAAAAAAAAAAAAAAAAAECcAABAnAAAAAAAAAAAAAAAAAAAAAAAAAAAAAAAAAAAAAAAAAAAAABQAAAAAAAAAwMD/AAAAAABkAAAAMgAAAAAAAABkAAAAAAAAAH9/fwAKAAAAHwAAAFQAAAAAAAAFAAAAAQAAAAAAAAAAAAAAAAAAAAAAAAAAAAAAAAAAAAAAAAAAAAAAAn9/fwAAAAADzMzMAMDA/wB/f38AAAAAAAAAAAAAAAAAAAAAAAAAAAAhAAAAGAAAABQAAAA4EwAAGycAAAglAABZKQAAEAAAACYAAAAIAAAAAAAAAAAAAAA="/>
               </a:ext>
             </a:extLst>
           </p:cNvSpPr>
@@ -2717,7 +2718,7 @@
             <a:spLocks noGrp="1" noChangeArrowheads="1"/>
             <a:extLst>
               <a:ext uri="smNativeData">
-                <pr:smNativeData xmlns:pr="smNativeData" val="SMDATA_13_Na6sYxMAAAAlAAAAZAAAAA8BAAAAkAAAAEgAAACQAAAASAAAAAAAAAABAAAAAAAAAAEAAABQAAAAAAAAAAAA4D8AAAAAAADgPwAAAAAAAOA/AAAAAAAA4D8AAAAAAADgPwAAAAAAAOA/AAAAAAAA4D8AAAAAAADgPwAAAAAAAOA/AAAAAAAA4D8CAAAAjAAAAAAAAAAAAAAAu+DjDP///wgAAAAAAAAAAAAAAAAAAAAAAAAAAAAAAAAAAAAAZAAAAAEAAABAAAAAAAAAAAAAAAAAAAAAAAAAAAAAAAAAAAAAAAAAAAAAAAAAAAAAAAAAAAAAAAAAAAAAAAAAAAAAAAAAAAAAAAAAAAAAAAAAAAAAAAAAAAAAAAAAAAAAFAAAADwAAAAAAAAAAAAAAAAAAAkUAAAAAQAAABQAAAAUAAAAFAAAAAEAAAAAAAAAZAAAAGQAAAAAAAAAZAAAAGQAAAAVAAAAYAAAAAAAAAAAAAAADwAAACADAAAAAAAAAAAAAAEAAACgMgAAVgcAAKr4//8BAAAAf39/AAEAAABkAAAAAAAAABQAAABAHwAAAAAAACYAAAAAAAAAwOD//wAAAAAmAAAAZAAAABYAAABMAAAAAAAAAAAAAAAEAAAAAAAAAAEAAACAgIAKAAAAACgAAAAoAAAAZAAAAGQAAAAAAAAAzMzMAAAAAABQAAAAUAAAAGQAAABkAAAAAAAAABcAAAAUAAAAAAAAAAAAAAD/fwAA/38AAAAAAAAJAAAABAAAAAAAAAAMAAAAEAAAAAAAAAAAAAAAAAAAAAAAAAAeAAAAaAAAAAAAAAAAAAAAAAAAAAAAAAAAAAAAECcAABAnAAAAAAAAAAAAAAAAAAAAAAAAAAAAAAAAAAAAAAAAAAAAABQAAAAAAAAAwMD/AAAAAABkAAAAMgAAAAAAAABkAAAAAAAAAH9/fwAKAAAAHwAAAFQAAAAAAAAFAAAAAQAAAAAAAAAAAAAAAAAAAAAAAAAAAAAAAAAAAAAAAAAAAAAAAn9/fwAAAAADzMzMAMDA/wB/f38AAAAAAAAAAAAAAAAAAAAAAAAAAAAhAAAAGAAAABQAAABQKAAAGycAAHA1AABZKQAAEAAAACYAAAAIAAAAAAAAAAAAAAA="/>
+                <pr:smNativeData xmlns:pr="smNativeData" val="SMDATA_13_8OOwYxMAAAAlAAAAZAAAAA8BAAAAkAAAAEgAAACQAAAASAAAAAAAAAABAAAAAAAAAAEAAABQAAAAAAAAAAAA4D8AAAAAAADgPwAAAAAAAOA/AAAAAAAA4D8AAAAAAADgPwAAAAAAAOA/AAAAAAAA4D8AAAAAAADgPwAAAAAAAOA/AAAAAAAA4D8CAAAAjAAAAAAAAAAAAAAAu+DjDP///wgAAAAAAAAAAAAAAAAAAAAAAAAAAAAAAAAAAAAAZAAAAAEAAABAAAAAAAAAAAAAAAAAAAAAAAAAAAAAAAAAAAAAAAAAAAAAAAAAAAAAAAAAAAAAAAAAAAAAAAAAAAAAAAAAAAAAAAAAAAAAAAAAAAAAAAAAAAAAAAAAAAAAFAAAADwAAAAAAAAAAAAAAAAAAAkUAAAAAQAAABQAAAAUAAAAFAAAAAEAAAAAAAAAZAAAAGQAAAAAAAAAZAAAAGQAAAAVAAAAYAAAAAAAAAAAAAAADwAAACADAAAAAAAAAAAAAAEAAACgMgAAVgcAAKr4//8BAAAAf39/AAEAAABkAAAAAAAAABQAAABAHwAAAAAAACYAAAAAAAAAwOD//wAAAAAmAAAAZAAAABYAAABMAAAAAAAAAAAAAAAEAAAAAAAAAAEAAACAgIAKAAAAACgAAAAoAAAAZAAAAGQAAAAAAAAAzMzMAAAAAABQAAAAUAAAAGQAAABkAAAAAAAAABcAAAAUAAAAAAAAAAAAAAD/fwAA/38AAAAAAAAJAAAABAAAAAAAAAAMAAAAEAAAAAAAAAAAAAAAAAAAAAAAAAAeAAAAaAAAAAAAAAAAAAAAAAAAAAAAAAAAAAAAECcAABAnAAAAAAAAAAAAAAAAAAAAAAAAAAAAAAAAAAAAAAAAAAAAABQAAAAAAAAAwMD/AAAAAABkAAAAMgAAAAAAAABkAAAAAAAAAH9/fwAKAAAAHwAAAFQAAAAAAAAFAAAAAQAAAAAAAAAAAAAAAAAAAAAAAAAAAAAAAAAAAAAAAAAAAAAAAn9/fwAAAAADzMzMAMDA/wB/f38AAAAAAAAAAAAAAAAAAAAAAAAAAAAhAAAAGAAAABQAAABQKAAAGycAAHA1AABZKQAAEAAAACYAAAAIAAAAAAAAAAAAAAA="/>
               </a:ext>
             </a:extLst>
           </p:cNvSpPr>
@@ -2731,7 +2732,7 @@
           <a:lstStyle/>
           <a:p>
             <a:pPr/>
-            <a:fld id="{1CB53573-3DF1-E0C3-BF0D-CB967B43499E}" type="slidenum">
+            <a:fld id="{0B3B5960-2EE6-6EAF-A883-D8FA17CD5E8D}" type="slidenum">
               <a:t/>
             </a:fld>
           </a:p>
@@ -2777,7 +2778,7 @@
             <a:spLocks noGrp="1" noChangeArrowheads="1"/>
             <a:extLst>
               <a:ext uri="smNativeData">
-                <pr:smNativeData xmlns:pr="smNativeData" val="SMDATA_13_Na6sYxMAAAAlAAAAZAAAAA8BAAAAkAAAAEgAAACQAAAASAAAAAAAAAABAAAAAAAAAAEAAABQAAAAAAAAAAAA4D8AAAAAAADgPwAAAAAAAOA/AAAAAAAA4D8AAAAAAADgPwAAAAAAAOA/AAAAAAAA4D8AAAAAAADgPwAAAAAAAOA/AAAAAAAA4D8CAAAAjAAAAAAAAAAAAAAAu+DjDP///wgAAAAAAAAAAAAAAAAAAAAAAAAAAAAAAAAAAAAAZAAAAAEAAABAAAAAAAAAAAAAAAAAAAAAAAAAAAAAAAAAAAAAAAAAAAAAAAAAAAAAAAAAAAAAAAAAAAAAAAAAAAAAAAAAAAAAAAAAAAAAAAAAAAAAAAAAAAAAAAAAAAAAFAAAADwAAAAAAAAAAAAAAAAAAAkUAAAAAQAAABQAAAAUAAAAFAAAAAEAAAAAAAAAZAAAAGQAAAAAAAAAZAAAAGQAAAAVAAAAYAAAAAAAAAAAAAAADwAAACADAAAAAAAAAAAAAAEAAACgMgAAVgcAAKr4//8BAAAAf39/AAEAAABkAAAAAAAAABQAAABAHwAAAAAAACYAAAAAAAAAwOD//wAAAAAmAAAAZAAAABYAAABMAAAAAAAAAAAAAAAEAAAAAAAAAAEAAACAgIAKAAAAACgAAAAoAAAAZAAAAGQAAAAAAAAAzMzMAAAAAABQAAAAUAAAAGQAAABkAAAAAAAAABcAAAAUAAAAAAAAAAAAAAD/fwAA/38AAAAAAAAJAAAABAAAAAAAAAAMAAAAEAAAAAAAAAAAAAAAAAAAAAAAAAAeAAAAaAAAAAAAAAAAAAAAAAAAAAAAAAAAAAAAECcAABAnAAAAAAAAAAAAAAAAAAAAAAAAAAAAAAAAAAAAAAAAAAAAABQAAAAAAAAAwMD/AAAAAABkAAAAMgAAAAAAAABkAAAAAAAAAH9/fwAKAAAAHwAAAFQAAAAAAAAFAAAAAQAAAAAAAAAAAAAAAAAAAAAAAAAAAAAAAAAAAAAAAAAAAAAAAn9/fwAAAAADzMzMAMDA/wB/f38AAAAAAAAAAAAAAAAAAAAAAAAAAAAhAAAAGAAAABQAAADQAgAAsAEAAHA1AAC4CAAAEAAAACYAAAAIAAAA//////////8="/>
+                <pr:smNativeData xmlns:pr="smNativeData" val="SMDATA_13_8OOwYxMAAAAlAAAAZAAAAA8BAAAAkAAAAEgAAACQAAAASAAAAAAAAAABAAAAAAAAAAEAAABQAAAAAAAAAAAA4D8AAAAAAADgPwAAAAAAAOA/AAAAAAAA4D8AAAAAAADgPwAAAAAAAOA/AAAAAAAA4D8AAAAAAADgPwAAAAAAAOA/AAAAAAAA4D8CAAAAjAAAAAAAAAAAAAAAu+DjDP///wgAAAAAAAAAAAAAAAAAAAAAAAAAAAAAAAAAAAAAZAAAAAEAAABAAAAAAAAAAAAAAAAAAAAAAAAAAAAAAAAAAAAAAAAAAAAAAAAAAAAAAAAAAAAAAAAAAAAAAAAAAAAAAAAAAAAAAAAAAAAAAAAAAAAAAAAAAAAAAAAAAAAAFAAAADwAAAAAAAAAAAAAAAAAAAkUAAAAAQAAABQAAAAUAAAAFAAAAAEAAAAAAAAAZAAAAGQAAAAAAAAAZAAAAGQAAAAVAAAAYAAAAAAAAAAAAAAADwAAACADAAAAAAAAAAAAAAEAAACgMgAAVgcAAKr4//8BAAAAf39/AAEAAABkAAAAAAAAABQAAABAHwAAAAAAACYAAAAAAAAAwOD//wAAAAAmAAAAZAAAABYAAABMAAAAAAAAAAAAAAAEAAAAAAAAAAEAAACAgIAKAAAAACgAAAAoAAAAZAAAAGQAAAAAAAAAzMzMAAAAAABQAAAAUAAAAGQAAABkAAAAAAAAABcAAAAUAAAAAAAAAAAAAAD/fwAA/38AAAAAAAAJAAAABAAAAAAAAAAMAAAAEAAAAAAAAAAAAAAAAAAAAAAAAAAeAAAAaAAAAAAAAAAAAAAAAAAAAAAAAAAAAAAAECcAABAnAAAAAAAAAAAAAAAAAAAAAAAAAAAAAAAAAAAAAAAAAAAAABQAAAAAAAAAwMD/AAAAAABkAAAAMgAAAAAAAABkAAAAAAAAAH9/fwAKAAAAHwAAAFQAAAAAAAAFAAAAAQAAAAAAAAAAAAAAAAAAAAAAAAAAAAAAAAAAAAAAAAAAAAAAAn9/fwAAAAADzMzMAMDA/wB/f38AAAAAAAAAAAAAAAAAAAAAAAAAAAAhAAAAGAAAABQAAADQAgAAsAEAAHA1AAC4CAAAEAAAACYAAAAIAAAA//////////8="/>
               </a:ext>
             </a:extLst>
           </p:cNvSpPr>
@@ -2821,7 +2822,7 @@
             <a:spLocks noGrp="1" noChangeArrowheads="1"/>
             <a:extLst>
               <a:ext uri="smNativeData">
-                <pr:smNativeData xmlns:pr="smNativeData" val="SMDATA_13_Na6sYxMAAAAlAAAAZAAAAA8BAAAAkAAAAEgAAACQAAAASAAAAAAAAAAAAAAAAAAAAAEAAABQAAAAAAAAAAAA4D8AAAAAAADgPwAAAAAAAOA/AAAAAAAA4D8AAAAAAADgPwAAAAAAAOA/AAAAAAAA4D8AAAAAAADgPwAAAAAAAOA/AAAAAAAA4D8CAAAAjAAAAAAAAAAAAAAAu+DjDP///wgAAAAAAAAAAAAAAAAAAAAAAAAAAAAAAAAAAAAAZAAAAAEAAABAAAAAAAAAAAAAAAAAAAAAAAAAAAAAAAAAAAAAAAAAAAAAAAAAAAAAAAAAAAAAAAAAAAAAAAAAAAAAAAAAAAAAAAAAAAAAAAAAAAAAAAAAAAAAAAAAAAAAFAAAADwAAAAAAAAAAAAAAAAAAAkUAAAAAQAAABQAAAAUAAAAFAAAAAEAAAAAAAAAZAAAAGQAAAAAAAAAZAAAAGQAAAAVAAAAYAAAAAAAAAAAAAAADwAAACADAAAAAAAAAAAAAAEAAACgMgAAVgcAAKr4//8BAAAAf39/AAEAAABkAAAAAAAAABQAAABAHwAAAAAAACYAAAAAAAAAwOD//wAAAAAmAAAAZAAAABYAAABMAAAAAAAAAAAAAAAEAAAAAAAAAAEAAACAgIAKAAAAACgAAAAoAAAAZAAAAGQAAAAAAAAAzMzMAAAAAABQAAAAUAAAAGQAAABkAAAAAAAAABcAAAAUAAAAAAAAAAAAAAD/fwAA/38AAAAAAAAJAAAABAAAAAAAAAAMAAAAEAAAAAAAAAAAAAAAAAAAAAAAAAAeAAAAaAAAAAAAAAAAAAAAAAAAAAAAAAAAAAAAECcAABAnAAAAAAAAAAAAAAAAAAAAAAAAAAAAAAAAAAAAAAAAAAAAABQAAAAAAAAAwMD/AAAAAABkAAAAMgAAAAAAAABkAAAAAAAAAH9/fwAKAAAAHwAAAFQAAAAAAAAFAAAAAQAAAAAAAAAAAAAAAAAAAAAAAAAAAAAAAAAAAAAAAAAAAAAAAn9/fwAAAAADzMzMAMDA/wB/f38AAAAAAAAAAAAAAAAAAAAAAAAAAAAhAAAAGAAAABQAAADQAgAA2AkAAHA1AACwJQAAEAAAACYAAAAIAAAA//////////8="/>
+                <pr:smNativeData xmlns:pr="smNativeData" val="SMDATA_13_8OOwYxMAAAAlAAAAZAAAAA8BAAAAkAAAAEgAAACQAAAASAAAAAAAAAAAAAAAAAAAAAEAAABQAAAAAAAAAAAA4D8AAAAAAADgPwAAAAAAAOA/AAAAAAAA4D8AAAAAAADgPwAAAAAAAOA/AAAAAAAA4D8AAAAAAADgPwAAAAAAAOA/AAAAAAAA4D8CAAAAjAAAAAAAAAAAAAAAu+DjDP///wgAAAAAAAAAAAAAAAAAAAAAAAAAAAAAAAAAAAAAZAAAAAEAAABAAAAAAAAAAAAAAAAAAAAAAAAAAAAAAAAAAAAAAAAAAAAAAAAAAAAAAAAAAAAAAAAAAAAAAAAAAAAAAAAAAAAAAAAAAAAAAAAAAAAAAAAAAAAAAAAAAAAAFAAAADwAAAAAAAAAAAAAAAAAAAkUAAAAAQAAABQAAAAUAAAAFAAAAAEAAAAAAAAAZAAAAGQAAAAAAAAAZAAAAGQAAAAVAAAAYAAAAAAAAAAAAAAADwAAACADAAAAAAAAAAAAAAEAAACgMgAAVgcAAKr4//8BAAAAf39/AAEAAABkAAAAAAAAABQAAABAHwAAAAAAACYAAAAAAAAAwOD//wAAAAAmAAAAZAAAABYAAABMAAAAAAAAAAAAAAAEAAAAAAAAAAEAAACAgIAKAAAAACgAAAAoAAAAZAAAAGQAAAAAAAAAzMzMAAAAAABQAAAAUAAAAGQAAABkAAAAAAAAABcAAAAUAAAAAAAAAAAAAAD/fwAA/38AAAAAAAAJAAAABAAAAAAAAAAMAAAAEAAAAAAAAAAAAAAAAAAAAAAAAAAeAAAAaAAAAAAAAAAAAAAAAAAAAAAAAAAAAAAAECcAABAnAAAAAAAAAAAAAAAAAAAAAAAAAAAAAAAAAAAAAAAAAAAAABQAAAAAAAAAwMD/AAAAAABkAAAAMgAAAAAAAABkAAAAAAAAAH9/fwAKAAAAHwAAAFQAAAAAAAAFAAAAAQAAAAAAAAAAAAAAAAAAAAAAAAAAAAAAAAAAAAAAAAAAAAAAAn9/fwAAAAADzMzMAMDA/wB/f38AAAAAAAAAAAAAAAAAAAAAAAAAAAAhAAAAGAAAABQAAADQAgAA2AkAAHA1AACwJQAAEAAAACYAAAAIAAAA//////////8="/>
               </a:ext>
             </a:extLst>
           </p:cNvSpPr>
@@ -2889,7 +2890,7 @@
             <a:spLocks noGrp="1" noChangeArrowheads="1"/>
             <a:extLst>
               <a:ext uri="smNativeData">
-                <pr:smNativeData xmlns:pr="smNativeData" val="SMDATA_13_Na6sYxMAAAAlAAAAZAAAAA8BAAAAkAAAAEgAAACQAAAASAAAAAAAAAABAAAAAAAAAAEAAABQAAAAAAAAAAAA4D8AAAAAAADgPwAAAAAAAOA/AAAAAAAA4D8AAAAAAADgPwAAAAAAAOA/AAAAAAAA4D8AAAAAAADgPwAAAAAAAOA/AAAAAAAA4D8CAAAAjAAAAAAAAAAAAAAAu+DjDP///wgAAAAAAAAAAAAAAAAAAAAAAAAAAAAAAAAAAAAAZAAAAAEAAABAAAAAAAAAAAAAAAAAAAAAAAAAAAAAAAAAAAAAAAAAAAAAAAAAAAAAAAAAAAAAAAAAAAAAAAAAAAAAAAAAAAAAAAAAAAAAAAAAAAAAAAAAAAAAAAAAAAAAFAAAADwAAAAAAAAAAAAAAAAAAAkUAAAAAQAAABQAAAAUAAAAFAAAAAEAAAAAAAAAZAAAAGQAAAAAAAAAZAAAAGQAAAAVAAAAYAAAAAAAAAAAAAAADwAAACADAAAAAAAAAAAAAAEAAACgMgAAVgcAAKr4//8BAAAAf39/AAEAAABkAAAAAAAAABQAAABAHwAAAAAAACYAAAAAAAAAwOD//wAAAAAmAAAAZAAAABYAAABMAAAAAAAAAAAAAAAEAAAAAAAAAAEAAACAgIAKAAAAACgAAAAoAAAAZAAAAGQAAAAAAAAAzMzMAAAAAABQAAAAUAAAAGQAAABkAAAAAAAAABcAAAAUAAAAAAAAAAAAAAD/fwAA/38AAAAAAAAJAAAABAAAAAAAAAAMAAAAEAAAAAAAAAAAAAAAAAAAAAAAAAAeAAAAaAAAAAAAAAAAAAAAAAAAAAAAAAAAAAAAECcAABAnAAAAAAAAAAAAAAAAAAAAAAAAAAAAAAAAAAAAAAAAAAAAABQAAAAAAAAAwMD/AAAAAABkAAAAMgAAAAAAAABkAAAAAAAAAH9/fwAKAAAAHwAAAFQAAAAAAAAFAAAAAQAAAAAAAAAAAAAAAAAAAAAAAAAAAAAAAAAAAAAAAAAAAAAAAn9/fwAAAAADzMzMAMDA/wB/f38AAAAAAAAAAAAAAAAAAAAAAAAAAAAhAAAAGAAAABQAAADQAgAAGycAAPAPAABZKQAAEAAAACYAAAAIAAAA//////////8="/>
+                <pr:smNativeData xmlns:pr="smNativeData" val="SMDATA_13_8OOwYxMAAAAlAAAAZAAAAA8BAAAAkAAAAEgAAACQAAAASAAAAAAAAAABAAAAAAAAAAEAAABQAAAAAAAAAAAA4D8AAAAAAADgPwAAAAAAAOA/AAAAAAAA4D8AAAAAAADgPwAAAAAAAOA/AAAAAAAA4D8AAAAAAADgPwAAAAAAAOA/AAAAAAAA4D8CAAAAjAAAAAAAAAAAAAAAu+DjDP///wgAAAAAAAAAAAAAAAAAAAAAAAAAAAAAAAAAAAAAZAAAAAEAAABAAAAAAAAAAAAAAAAAAAAAAAAAAAAAAAAAAAAAAAAAAAAAAAAAAAAAAAAAAAAAAAAAAAAAAAAAAAAAAAAAAAAAAAAAAAAAAAAAAAAAAAAAAAAAAAAAAAAAFAAAADwAAAAAAAAAAAAAAAAAAAkUAAAAAQAAABQAAAAUAAAAFAAAAAEAAAAAAAAAZAAAAGQAAAAAAAAAZAAAAGQAAAAVAAAAYAAAAAAAAAAAAAAADwAAACADAAAAAAAAAAAAAAEAAACgMgAAVgcAAKr4//8BAAAAf39/AAEAAABkAAAAAAAAABQAAABAHwAAAAAAACYAAAAAAAAAwOD//wAAAAAmAAAAZAAAABYAAABMAAAAAAAAAAAAAAAEAAAAAAAAAAEAAACAgIAKAAAAACgAAAAoAAAAZAAAAGQAAAAAAAAAzMzMAAAAAABQAAAAUAAAAGQAAABkAAAAAAAAABcAAAAUAAAAAAAAAAAAAAD/fwAA/38AAAAAAAAJAAAABAAAAAAAAAAMAAAAEAAAAAAAAAAAAAAAAAAAAAAAAAAeAAAAaAAAAAAAAAAAAAAAAAAAAAAAAAAAAAAAECcAABAnAAAAAAAAAAAAAAAAAAAAAAAAAAAAAAAAAAAAAAAAAAAAABQAAAAAAAAAwMD/AAAAAABkAAAAMgAAAAAAAABkAAAAAAAAAH9/fwAKAAAAHwAAAFQAAAAAAAAFAAAAAQAAAAAAAAAAAAAAAAAAAAAAAAAAAAAAAAAAAAAAAAAAAAAAAn9/fwAAAAADzMzMAMDA/wB/f38AAAAAAAAAAAAAAAAAAAAAAAAAAAAhAAAAGAAAABQAAADQAgAAGycAAPAPAABZKQAAEAAAACYAAAAIAAAA//////////8="/>
               </a:ext>
             </a:extLst>
           </p:cNvSpPr>
@@ -2924,7 +2925,7 @@
           </a:lstStyle>
           <a:p>
             <a:pPr/>
-            <a:fld id="{1CB57D74-3AF1-E08B-BF0D-CCDE33434999}" type="datetime1">
+            <a:fld id="{0B3B1954-1AE6-6EEF-A883-ECBA57CD5EB9}" type="datetime1">
               <a:t/>
             </a:fld>
           </a:p>
@@ -2937,7 +2938,7 @@
             <a:spLocks noGrp="1" noChangeArrowheads="1"/>
             <a:extLst>
               <a:ext uri="smNativeData">
-                <pr:smNativeData xmlns:pr="smNativeData" val="SMDATA_13_Na6sYxMAAAAlAAAAZAAAAA8BAAAAkAAAAEgAAACQAAAASAAAAAAAAAABAAAAAAAAAAEAAABQAAAAAAAAAAAA4D8AAAAAAADgPwAAAAAAAOA/AAAAAAAA4D8AAAAAAADgPwAAAAAAAOA/AAAAAAAA4D8AAAAAAADgPwAAAAAAAOA/AAAAAAAA4D8CAAAAjAAAAAAAAAAAAAAAu+DjDP///wgAAAAAAAAAAAAAAAAAAAAAAAAAAAAAAAAAAAAAZAAAAAEAAABAAAAAAAAAAAAAAAAAAAAAAAAAAAAAAAAAAAAAAAAAAAAAAAAAAAAAAAAAAAAAAAAAAAAAAAAAAAAAAAAAAAAAAAAAAAAAAAAAAAAAAAAAAAAAAAAAAAAAFAAAADwAAAAAAAAAAAAAAAAAAAkUAAAAAQAAABQAAAAUAAAAFAAAAAEAAAAAAAAAZAAAAGQAAAAAAAAAZAAAAGQAAAAVAAAAYAAAAAAAAAAAAAAADwAAACADAAAAAAAAAAAAAAEAAACgMgAAVgcAAKr4//8BAAAAf39/AAEAAABkAAAAAAAAABQAAABAHwAAAAAAACYAAAAAAAAAwOD//wAAAAAmAAAAZAAAABYAAABMAAAAAAAAAAAAAAAEAAAAAAAAAAEAAACAgIAKAAAAACgAAAAoAAAAZAAAAGQAAAAAAAAAzMzMAAAAAABQAAAAUAAAAGQAAABkAAAAAAAAABcAAAAUAAAAAAAAAAAAAAD/fwAA/38AAAAAAAAJAAAABAAAAAAAAAAMAAAAEAAAAAAAAAAAAAAAAAAAAAAAAAAeAAAAaAAAAAAAAAAAAAAAAAAAAAAAAAAAAAAAECcAABAnAAAAAAAAAAAAAAAAAAAAAAAAAAAAAAAAAAAAAAAAAAAAABQAAAAAAAAAwMD/AAAAAABkAAAAMgAAAAAAAABkAAAAAAAAAH9/fwAKAAAAHwAAAFQAAAAAAAAFAAAAAQAAAAAAAAAAAAAAAAAAAAAAAAAAAAAAAAAAAAAAAAAAAAAAAn9/fwAAAAADzMzMAMDA/wB/f38AAAAAAAAAAAAAAAAAAAAAAAAAAAAhAAAAGAAAABQAAAA4EwAAGycAAAglAABZKQAAEAAAACYAAAAIAAAA//////////8="/>
+                <pr:smNativeData xmlns:pr="smNativeData" val="SMDATA_13_8OOwYxMAAAAlAAAAZAAAAA8BAAAAkAAAAEgAAACQAAAASAAAAAAAAAABAAAAAAAAAAEAAABQAAAAAAAAAAAA4D8AAAAAAADgPwAAAAAAAOA/AAAAAAAA4D8AAAAAAADgPwAAAAAAAOA/AAAAAAAA4D8AAAAAAADgPwAAAAAAAOA/AAAAAAAA4D8CAAAAjAAAAAAAAAAAAAAAu+DjDP///wgAAAAAAAAAAAAAAAAAAAAAAAAAAAAAAAAAAAAAZAAAAAEAAABAAAAAAAAAAAAAAAAAAAAAAAAAAAAAAAAAAAAAAAAAAAAAAAAAAAAAAAAAAAAAAAAAAAAAAAAAAAAAAAAAAAAAAAAAAAAAAAAAAAAAAAAAAAAAAAAAAAAAFAAAADwAAAAAAAAAAAAAAAAAAAkUAAAAAQAAABQAAAAUAAAAFAAAAAEAAAAAAAAAZAAAAGQAAAAAAAAAZAAAAGQAAAAVAAAAYAAAAAAAAAAAAAAADwAAACADAAAAAAAAAAAAAAEAAACgMgAAVgcAAKr4//8BAAAAf39/AAEAAABkAAAAAAAAABQAAABAHwAAAAAAACYAAAAAAAAAwOD//wAAAAAmAAAAZAAAABYAAABMAAAAAAAAAAAAAAAEAAAAAAAAAAEAAACAgIAKAAAAACgAAAAoAAAAZAAAAGQAAAAAAAAAzMzMAAAAAABQAAAAUAAAAGQAAABkAAAAAAAAABcAAAAUAAAAAAAAAAAAAAD/fwAA/38AAAAAAAAJAAAABAAAAAAAAAAMAAAAEAAAAAAAAAAAAAAAAAAAAAAAAAAeAAAAaAAAAAAAAAAAAAAAAAAAAAAAAAAAAAAAECcAABAnAAAAAAAAAAAAAAAAAAAAAAAAAAAAAAAAAAAAAAAAAAAAABQAAAAAAAAAwMD/AAAAAABkAAAAMgAAAAAAAABkAAAAAAAAAH9/fwAKAAAAHwAAAFQAAAAAAAAFAAAAAQAAAAAAAAAAAAAAAAAAAAAAAAAAAAAAAAAAAAAAAAAAAAAAAn9/fwAAAAADzMzMAMDA/wB/f38AAAAAAAAAAAAAAAAAAAAAAAAAAAAhAAAAGAAAABQAAAA4EwAAGycAAAglAABZKQAAEAAAACYAAAAIAAAA//////////8="/>
               </a:ext>
             </a:extLst>
           </p:cNvSpPr>
@@ -2982,7 +2983,7 @@
             <a:spLocks noGrp="1" noChangeArrowheads="1"/>
             <a:extLst>
               <a:ext uri="smNativeData">
-                <pr:smNativeData xmlns:pr="smNativeData" val="SMDATA_13_Na6sYxMAAAAlAAAAZAAAAA8BAAAAkAAAAEgAAACQAAAASAAAAAAAAAABAAAAAAAAAAEAAABQAAAAAAAAAAAA4D8AAAAAAADgPwAAAAAAAOA/AAAAAAAA4D8AAAAAAADgPwAAAAAAAOA/AAAAAAAA4D8AAAAAAADgPwAAAAAAAOA/AAAAAAAA4D8CAAAAjAAAAAAAAAAAAAAAu+DjDP///wgAAAAAAAAAAAAAAAAAAAAAAAAAAAAAAAAAAAAAZAAAAAEAAABAAAAAAAAAAAAAAAAAAAAAAAAAAAAAAAAAAAAAAAAAAAAAAAAAAAAAAAAAAAAAAAAAAAAAAAAAAAAAAAAAAAAAAAAAAAAAAAAAAAAAAAAAAAAAAAAAAAAAFAAAADwAAAAAAAAAAAAAAAAAAAkUAAAAAQAAABQAAAAUAAAAFAAAAAEAAAAAAAAAZAAAAGQAAAAAAAAAZAAAAGQAAAAVAAAAYAAAAAAAAAAAAAAADwAAACADAAAAAAAAAAAAAAEAAACgMgAAVgcAAKr4//8BAAAAf39/AAEAAABkAAAAAAAAABQAAABAHwAAAAAAACYAAAAAAAAAwOD//wAAAAAmAAAAZAAAABYAAABMAAAAAAAAAAAAAAAEAAAAAAAAAAEAAACAgIAKAAAAACgAAAAoAAAAZAAAAGQAAAAAAAAAzMzMAAAAAABQAAAAUAAAAGQAAABkAAAAAAAAABcAAAAUAAAAAAAAAAAAAAD/fwAA/38AAAAAAAAJAAAABAAAAAAAAAAMAAAAEAAAAAAAAAAAAAAAAAAAAAAAAAAeAAAAaAAAAAAAAAAAAAAAAAAAAAAAAAAAAAAAECcAABAnAAAAAAAAAAAAAAAAAAAAAAAAAAAAAAAAAAAAAAAAAAAAABQAAAAAAAAAwMD/AAAAAABkAAAAMgAAAAAAAABkAAAAAAAAAH9/fwAKAAAAHwAAAFQAAAAAAAAFAAAAAQAAAAAAAAAAAAAAAAAAAAAAAAAAAAAAAAAAAAAAAAAAAAAAAn9/fwAAAAADzMzMAMDA/wB/f38AAAAAAAAAAAAAAAAAAAAAAAAAAAAhAAAAGAAAABQAAABQKAAAGycAAHA1AABZKQAAEAAAACYAAAAIAAAA//////////8="/>
+                <pr:smNativeData xmlns:pr="smNativeData" val="SMDATA_13_8OOwYxMAAAAlAAAAZAAAAA8BAAAAkAAAAEgAAACQAAAASAAAAAAAAAABAAAAAAAAAAEAAABQAAAAAAAAAAAA4D8AAAAAAADgPwAAAAAAAOA/AAAAAAAA4D8AAAAAAADgPwAAAAAAAOA/AAAAAAAA4D8AAAAAAADgPwAAAAAAAOA/AAAAAAAA4D8CAAAAjAAAAAAAAAAAAAAAu+DjDP///wgAAAAAAAAAAAAAAAAAAAAAAAAAAAAAAAAAAAAAZAAAAAEAAABAAAAAAAAAAAAAAAAAAAAAAAAAAAAAAAAAAAAAAAAAAAAAAAAAAAAAAAAAAAAAAAAAAAAAAAAAAAAAAAAAAAAAAAAAAAAAAAAAAAAAAAAAAAAAAAAAAAAAFAAAADwAAAAAAAAAAAAAAAAAAAkUAAAAAQAAABQAAAAUAAAAFAAAAAEAAAAAAAAAZAAAAGQAAAAAAAAAZAAAAGQAAAAVAAAAYAAAAAAAAAAAAAAADwAAACADAAAAAAAAAAAAAAEAAACgMgAAVgcAAKr4//8BAAAAf39/AAEAAABkAAAAAAAAABQAAABAHwAAAAAAACYAAAAAAAAAwOD//wAAAAAmAAAAZAAAABYAAABMAAAAAAAAAAAAAAAEAAAAAAAAAAEAAACAgIAKAAAAACgAAAAoAAAAZAAAAGQAAAAAAAAAzMzMAAAAAABQAAAAUAAAAGQAAABkAAAAAAAAABcAAAAUAAAAAAAAAAAAAAD/fwAA/38AAAAAAAAJAAAABAAAAAAAAAAMAAAAEAAAAAAAAAAAAAAAAAAAAAAAAAAeAAAAaAAAAAAAAAAAAAAAAAAAAAAAAAAAAAAAECcAABAnAAAAAAAAAAAAAAAAAAAAAAAAAAAAAAAAAAAAAAAAAAAAABQAAAAAAAAAwMD/AAAAAABkAAAAMgAAAAAAAABkAAAAAAAAAH9/fwAKAAAAHwAAAFQAAAAAAAAFAAAAAQAAAAAAAAAAAAAAAAAAAAAAAAAAAAAAAAAAAAAAAAAAAAAAAn9/fwAAAAADzMzMAMDA/wB/f38AAAAAAAAAAAAAAAAAAAAAAAAAAAAhAAAAGAAAABQAAABQKAAAGycAAHA1AABZKQAAEAAAACYAAAAIAAAA//////////8="/>
               </a:ext>
             </a:extLst>
           </p:cNvSpPr>
@@ -3017,7 +3018,7 @@
           </a:lstStyle>
           <a:p>
             <a:pPr/>
-            <a:fld id="{1CB516AF-E1F1-E0E0-BF0D-17B558434942}" type="slidenum">
+            <a:fld id="{0B3B7AFC-B2E6-6E8C-A883-44D934CD5E11}" type="slidenum">
               <a:t/>
             </a:fld>
           </a:p>
@@ -3695,7 +3696,7 @@
           <p:cNvSpPr>
             <a:extLst>
               <a:ext uri="smNativeData">
-                <pr:smNativeData xmlns:pr="smNativeData" val="SMDATA_13_Na6sYxMAAAAlAAAAZAAAAA8BAAAAkAAAAEgAAACQAAAASAAAAAAAAAAAAAAAAAAAAAEAAABQAAAAAAAAAAAA4D8AAAAAAADgPwAAAAAAAOA/AAAAAAAA4D8AAAAAAADgPwAAAAAAAOA/AAAAAAAA4D8AAAAAAADgPwAAAAAAAOA/AAAAAAAA4D8CAAAAjAAAAAEAAAAAAAAAAAAACf///wgAAAAAAAAAAAAAAAAAAAAAAAAAAAAAAAAAAAAAZAAAAAEAAABAAAAAAAAAAAAAAAAAAAAAAAAAAAAAAAAAAAAAAAAAAAAAAAAAAAAAAAAAAAAAAAAAAAAAAAAAAAAAAAAAAAAAAAAAAAAAAAAAAAAAAAAAAAAAAAAAAAAAFAAAADwAAAABAAAAAAAAAAAAAAkUAAAAAQAAABQAAAAUAAAAFAAAAAEAAAAAAAAAZAAAAGQAAAAAAAAAZAAAAGQAAAAVAAAAYAAAAAAAAAAAAAAADwAAACADAAAAAAAAAAAAAAEAAACgMgAAVgcAAKr4//8BAAAAf39/AAEAAABkAAAAAAAAABQAAABAHwAAAAAAACYAAAAAAAAAwOD//wAAAAAmAAAAZAAAABYAAABMAAAAAAAAAAAAAAAEAAAAAAAAAAEAAACAgIAKAAAAACgAAAAoAAAAZAAAAGQAAAAAAAAAzMzMAAAAAABQAAAAUAAAAGQAAABkAAAAAAAAABcAAAAUAAAAAAAAAAAAAAD/fwAA/38AAAAAAAAJAAAABAAAAAAAAAAMAAAAEAAAAAAAAAAAAAAAAAAAAAAAAAAeAAAAaAAAAAAAAAAAAAAAAAAAAAAAAAAAAAAAECcAABAnAAAAAAAAAAAAAAAAAAAAAAAAAAAAAAAAAAAAAAAAAAAAABQAAAAAAAAAwMD/AAAAAABkAAAAMgAAAAAAAABkAAAAAAAAAH9/fwAKAAAAHwAAAFQAAAAAAAAC////AQAAAAAAAAAAAAAAAAAAAAAAAAAAAAAAAAAAAAAAAAAAAAAAAn9/fwCAgIADzMzMAMDA/wB/f38AAAAAAAAAAAAAAAAAAAAAAAAAAAAhAAAAGAAAABQAAABTAQAA4wAAANEqAADlDwAAEAAAACYAAAAIAAAA//////////8="/>
+                <pr:smNativeData xmlns:pr="smNativeData" val="SMDATA_13_8OOwYxMAAAAlAAAAZAAAAA8BAAAAkAAAAEgAAACQAAAASAAAAAAAAAAAAAAAAAAAAAEAAABQAAAAAAAAAAAA4D8AAAAAAADgPwAAAAAAAOA/AAAAAAAA4D8AAAAAAADgPwAAAAAAAOA/AAAAAAAA4D8AAAAAAADgPwAAAAAAAOA/AAAAAAAA4D8CAAAAjAAAAAEAAAAAAAAAAAAACf///wgAAAAAAAAAAAAAAAAAAAAAAAAAAAAAAAAAAAAAZAAAAAEAAABAAAAAAAAAAAAAAAAAAAAAAAAAAAAAAAAAAAAAAAAAAAAAAAAAAAAAAAAAAAAAAAAAAAAAAAAAAAAAAAAAAAAAAAAAAAAAAAAAAAAAAAAAAAAAAAAAAAAAFAAAADwAAAABAAAAAAAAAAAAAAkUAAAAAQAAABQAAAAUAAAAFAAAAAEAAAAAAAAAZAAAAGQAAAAAAAAAZAAAAGQAAAAVAAAAYAAAAAAAAAAAAAAADwAAACADAAAAAAAAAAAAAAEAAACgMgAAVgcAAKr4//8BAAAAf39/AAEAAABkAAAAAAAAABQAAABAHwAAAAAAACYAAAAAAAAAwOD//wAAAAAmAAAAZAAAABYAAABMAAAAAAAAAAAAAAAEAAAAAAAAAAEAAACAgIAKAAAAACgAAAAoAAAAZAAAAGQAAAAAAAAAzMzMAAAAAABQAAAAUAAAAGQAAABkAAAAAAAAABcAAAAUAAAAAAAAAAAAAAD/fwAA/38AAAAAAAAJAAAABAAAAAAAAAAMAAAAEAAAAAAAAAAAAAAAAAAAAAAAAAAeAAAAaAAAAAAAAAAAAAAAAAAAAAAAAAAAAAAAECcAABAnAAAAAAAAAAAAAAAAAAAAAAAAAAAAAAAAAAAAAAAAAAAAABQAAAAAAAAAwMD/AAAAAABkAAAAMgAAAAAAAABkAAAAAAAAAH9/fwAKAAAAHwAAAFQAAAAAAAAC////AQAAAAAAAAAAAAAAAAAAAAAAAAAAAAAAAAAAAAAAAAAAAAAAAn9/fwCAgIADzMzMAMDA/wB/f38AAAAAAAAAAAAAAAAAAAAAAAAAAAAhAAAAGAAAABQAAABTAQAA4wAAANEqAADlDwAAEAAAACYAAAAIAAAA//////////8="/>
               </a:ext>
             </a:extLst>
           </p:cNvSpPr>
@@ -3730,7 +3731,7 @@
             <a:picLocks noChangeAspect="1"/>
             <a:extLst>
               <a:ext uri="smNativeData">
-                <pr:smNativeData xmlns:pr="smNativeData" val="SMDATA_15_Na6sYxMAAAAlAAAAEQAAAC8BAAAAkAAAAEgAAACQAAAASAAAAAAAAAAAAAAAAAAAAAEAAABQAAAAAAAAAAAA4D8AAAAAAADgPwAAAAAAAOA/AAAAAAAA4D8AAAAAAADgPwAAAAAAAOA/AAAAAAAA4D8AAAAAAADgPwAAAAAAAOA/AAAAAAAA4D8CAAAAjAAAAAAAAAAAAAAAu+DjDP///wgAAAAAAAAAAAAAAAAAAAAAAAAAAAAAAAAAAAAAZAAAAAEAAABAAAAAAAAAAAAAAAAAAAAAAAAAAAAAAAAAAAAAAAAAAAAAAAAAAAAAAAAAAAAAAAAAAAAAAAAAAAAAAAAAAAAAAAAAAAAAAAAAAAAAAAAAAAAAAAAAAAAAFAAAADwAAAAAAAAAAAAAAAAAAAkUAAAAAQAAABQAAAAUAAAAFAAAAAEAAAAAAAAAZAAAAGQAAAAAAAAAZAAAAGQAAAAVAAAAYAAAAAAAAAAAAAAADwAAACADAAAAAAAAAAAAAAEAAACgMgAAVgcAAKr4//8BAAAAf39/AAEAAABkAAAAAAAAABQAAABAHwAAAAAAACYAAAAAAAAAwOD//wAAAAAmAAAAZAAAABYAAABMAAAAAAAAAAAAAAAEAAAAAAAAAAEAAACAgIAKAAAAACgAAAAoAAAAZAAAAGQAAAAAAAAAzMzMAAAAAABQAAAAUAAAAGQAAABkAAAAAAAAAAcAAAA4AAAAAAAAAAAAAAAAAAAA////AAAAAAAAAAAAAAAAAAAAAAAAAAAAAAAAAAAAAABkAAAAZAAAAAAAAAAjAAAABAAAAGQAAAAXAAAAFAAAAAAAAAAAAAAA/38AAP9/AAAAAAAACQAAAAQAAAAAAAAADAAAABAAAAAAAAAAAAAAAAAAAAAAAAAAHgAAAGgAAAAAAAAAAAAAAAAAAAAAAAAAAAAAABAnAAAQJwAAAAAAAAAAAAAAAAAAAAAAAAAAAAAAAAAAAAAAAAAAAAAUAAAAAAAAAMDA/wAAAAAAZAAAADIAAAAAAAAAZAAAAAAAAAB/f38ACgAAAB8AAABUAAAAu+DjBf///wEAAAAAAAAAAAAAAAAAAAAAAAAAAAAAAAAAAAAAAAAAAAAAAAJ/f38AgICAA8zMzADAwP8Af39/AAAAAAAAAAAAAAAAAP///wAAAAAAIQAAABgAAAAUAAAA3gsAAFUBAAAsIAAA5w4AABAAAAAmAAAACAAAAP//////////"/>
+                <pr:smNativeData xmlns:pr="smNativeData" val="SMDATA_15_8OOwYxMAAAAlAAAAEQAAAC8BAAAAkAAAAEgAAACQAAAASAAAAAAAAAAAAAAAAAAAAAEAAABQAAAAAAAAAAAA4D8AAAAAAADgPwAAAAAAAOA/AAAAAAAA4D8AAAAAAADgPwAAAAAAAOA/AAAAAAAA4D8AAAAAAADgPwAAAAAAAOA/AAAAAAAA4D8CAAAAjAAAAAAAAAAAAAAAu+DjDP///wgAAAAAAAAAAAAAAAAAAAAAAAAAAAAAAAAAAAAAZAAAAAEAAABAAAAAAAAAAAAAAAAAAAAAAAAAAAAAAAAAAAAAAAAAAAAAAAAAAAAAAAAAAAAAAAAAAAAAAAAAAAAAAAAAAAAAAAAAAAAAAAAAAAAAAAAAAAAAAAAAAAAAFAAAADwAAAAAAAAAAAAAAAAAAAkUAAAAAQAAABQAAAAUAAAAFAAAAAEAAAAAAAAAZAAAAGQAAAAAAAAAZAAAAGQAAAAVAAAAYAAAAAAAAAAAAAAADwAAACADAAAAAAAAAAAAAAEAAACgMgAAVgcAAKr4//8BAAAAf39/AAEAAABkAAAAAAAAABQAAABAHwAAAAAAACYAAAAAAAAAwOD//wAAAAAmAAAAZAAAABYAAABMAAAAAAAAAAAAAAAEAAAAAAAAAAEAAACAgIAKAAAAACgAAAAoAAAAZAAAAGQAAAAAAAAAzMzMAAAAAABQAAAAUAAAAGQAAABkAAAAAAAAAAcAAAA4AAAAAAAAAAAAAAAAAAAA////AAAAAAAAAAAAAAAAAAAAAAAAAAAAAAAAAAAAAABkAAAAZAAAAAAAAAAjAAAABAAAAGQAAAAXAAAAFAAAAAAAAAAAAAAA/38AAP9/AAAAAAAACQAAAAQAAAAAAAAADAAAABAAAAAAAAAAAAAAAAAAAAAAAAAAHgAAAGgAAAAAAAAAAAAAAAAAAAAAAAAAAAAAABAnAAAQJwAAAAAAAAAAAAAAAAAAAAAAAAAAAAAAAAAAAAAAAAAAAAAUAAAAAAAAAMDA/wAAAAAAZAAAADIAAAAAAAAAZAAAAAAAAAB/f38ACgAAAB8AAABUAAAAu+DjBf///wEAAAAAAAAAAAAAAAAAAAAAAAAAAAAAAAAAAAAAAAAAAAAAAAJ/f38AgICAA8zMzADAwP8Af39/AAAAAAAAAAAAAAAAAP///wAAAAAAIQAAABgAAAAUAAAA3gsAAFUBAAAsIAAA5w4AABAAAAAmAAAACAAAAP//////////"/>
               </a:ext>
             </a:extLst>
           </p:cNvPicPr>
@@ -3764,7 +3765,7 @@
             <a:picLocks noChangeAspect="1"/>
             <a:extLst>
               <a:ext uri="smNativeData">
-                <pr:smNativeData xmlns:pr="smNativeData" val="SMDATA_15_Na6sYxMAAAAlAAAAEQAAAC8BAAAAkAAAAEgAAACQAAAASAAAAAAAAAAAAAAAAAAAAAEAAABQAAAAAAAAAAAA4D8AAAAAAADgPwAAAAAAAOA/AAAAAAAA4D8AAAAAAADgPwAAAAAAAOA/AAAAAAAA4D8AAAAAAADgPwAAAAAAAOA/AAAAAAAA4D8CAAAAjAAAAAAAAAAAAAAAu+DjDP///wgAAAAAAAAAAAAAAAAAAAAAAAAAAAAAAAAAAAAAZAAAAAEAAABAAAAAAAAAAAAAAAAAAAAAAAAAAAAAAAAAAAAAAAAAAAAAAAAAAAAAAAAAAAAAAAAAAAAAAAAAAAAAAAAAAAAAAAAAAAAAAAAAAAAAAAAAAAAAAAAAAAAAFAAAADwAAAABAAAAAAAAAAAAAAsUAAAAAQAAABQAAAAUAAAAFAAAAAEAAAAAAAAAZAAAAGQAAAAAAAAAZAAAAGQAAAAVAAAAYAAAAAAAAAAAAAAADwAAACADAAAAAAAAAAAAAAEAAACgMgAAAAAAAAAAAAABAAAAf39/AAEAAABkAAAAAAAAABQAAABAHwAAAAAAACYAAAAAAAAAwOD//wAAAAAmAAAAZAAAABYAAABMAAAAAAAAAAAAAAAEAAAAAAAAAAEAAACAgIAKAAAAACgAAAAoAAAAZAAAAGQAAAAAAAAAzMzMAAAAAABQAAAAUAAAAGQAAABkAAAAAAAAAAcAAAA4AAAAAAAAAAAAAAAAAAAA////AAAAAAAAAAAAAAAAAAAAAAAAAAAAAAAAAAAAAABkAAAAZAAAAAAAAAAjAAAABAAAAGQAAAAXAAAAFAAAAAAAAAAAAAAA/38AAP9/AAAAAAAACQAAAAQAAAAAAAAADAAAABAAAAAAAAAAAAAAAAAAAAAAAAAAHgAAAGgAAAAAAAAAAAAAAAAAAAAAAAAAAAAAABAnAAAQJwAAAAAAAAAAAAAAAAAAAAAAAAAAAAAAAAAAAAAAAAAAAAAUAAAAAAAAAMDA/wAAAAAAZAAAADIAAAAAAAAAZAAAAAAAAAB/f38ACgAAAB8AAABUAAAAu+DjBf///wEAAAAAAAAAAAAAAAAAAAAAAAAAAAAAAAAAAAAAAAAAAAAAAAR/f38AgICAA8zMzADAwP8Af39/AAAAAAAAAAAAAAAAAP///wAAAAAAIQAAABgAAAAUAAAAbQEAADkBAAB6CwAANA8AABAAAAAmAAAACAAAAP//////////"/>
+                <pr:smNativeData xmlns:pr="smNativeData" val="SMDATA_15_8OOwYxMAAAAlAAAAEQAAAC8BAAAAkAAAAEgAAACQAAAASAAAAAAAAAAAAAAAAAAAAAEAAABQAAAAAAAAAAAA4D8AAAAAAADgPwAAAAAAAOA/AAAAAAAA4D8AAAAAAADgPwAAAAAAAOA/AAAAAAAA4D8AAAAAAADgPwAAAAAAAOA/AAAAAAAA4D8CAAAAjAAAAAAAAAAAAAAAu+DjDP///wgAAAAAAAAAAAAAAAAAAAAAAAAAAAAAAAAAAAAAZAAAAAEAAABAAAAAAAAAAAAAAAAAAAAAAAAAAAAAAAAAAAAAAAAAAAAAAAAAAAAAAAAAAAAAAAAAAAAAAAAAAAAAAAAAAAAAAAAAAAAAAAAAAAAAAAAAAAAAAAAAAAAAFAAAADwAAAABAAAAAAAAAAAAAAsUAAAAAQAAABQAAAAUAAAAFAAAAAEAAAAAAAAAZAAAAGQAAAAAAAAAZAAAAGQAAAAVAAAAYAAAAAAAAAAAAAAADwAAACADAAAAAAAAAAAAAAEAAACgMgAAAAAAAAAAAAABAAAAf39/AAEAAABkAAAAAAAAABQAAABAHwAAAAAAACYAAAAAAAAAwOD//wAAAAAmAAAAZAAAABYAAABMAAAAAAAAAAAAAAAEAAAAAAAAAAEAAACAgIAKAAAAACgAAAAoAAAAZAAAAGQAAAAAAAAAzMzMAAAAAABQAAAAUAAAAGQAAABkAAAAAAAAAAcAAAA4AAAAAAAAAAAAAAAAAAAA////AAAAAAAAAAAAAAAAAAAAAAAAAAAAAAAAAAAAAABkAAAAZAAAAAAAAAAjAAAABAAAAGQAAAAXAAAAFAAAAAAAAAAAAAAA/38AAP9/AAAAAAAACQAAAAQAAAAAAAAADAAAABAAAAAAAAAAAAAAAAAAAAAAAAAAHgAAAGgAAAAAAAAAAAAAAAAAAAAAAAAAAAAAABAnAAAQJwAAAAAAAAAAAAAAAAAAAAAAAAAAAAAAAAAAAAAAAAAAAAAUAAAAAAAAAMDA/wAAAAAAZAAAADIAAAAAAAAAZAAAAAAAAAB/f38ACgAAAB8AAABUAAAAu+DjBf///wEAAAAAAAAAAAAAAAAAAAAAAAAAAAAAAAAAAAAAAAAAAAAAAAR/f38AgICAA8zMzADAwP8Af39/AAAAAAAAAAAAAAAAAP///wAAAAAAIQAAABgAAAAUAAAAbQEAADkBAAB6CwAANA8AABAAAAAmAAAACAAAAP//////////"/>
               </a:ext>
             </a:extLst>
           </p:cNvPicPr>
@@ -3803,7 +3804,7 @@
             <a:picLocks noChangeAspect="1"/>
             <a:extLst>
               <a:ext uri="smNativeData">
-                <pr:smNativeData xmlns:pr="smNativeData" val="SMDATA_15_Na6sYxMAAAAlAAAAEQAAAC8BAAAAkAAAAEgAAACQAAAASAAAAAAAAAAAAAAAAAAAAAEAAABQAAAAAAAAAAAA4D8AAAAAAADgPwAAAAAAAOA/AAAAAAAA4D8AAAAAAADgPwAAAAAAAOA/AAAAAAAA4D8AAAAAAADgPwAAAAAAAOA/AAAAAAAA4D8CAAAAjAAAAAAAAAAAAAAAu+DjDP///wgAAAAAAAAAAAAAAAAAAAAAAAAAAAAAAAAAAAAAZAAAAAEAAABAAAAAAAAAAAAAAAAAAAAAAAAAAAAAAAAAAAAAAAAAAAAAAAAAAAAAAAAAAAAAAAAAAAAAAAAAAAAAAAAAAAAAAAAAAAAAAAAAAAAAAAAAAAAAAAAAAAAAFAAAADwAAAAAAAAAAAAAAAAAAAkUAAAAAQAAABQAAAAUAAAAFAAAAAEAAAAAAAAAZAAAAGQAAAAAAAAAZAAAAGQAAAAVAAAAYAAAAAAAAAAAAAAADwAAACADAAAAAAAAAAAAAAEAAACgMgAAVgcAAKr4//8BAAAAf39/AAEAAABkAAAAAAAAABQAAABAHwAAAAAAACYAAAAAAAAAwOD//wAAAAAmAAAAZAAAABYAAABMAAAAAAAAAAAAAAAEAAAAAAAAAAEAAACAgIAKAAAAACgAAAAoAAAAZAAAAGQAAAAAAAAAzMzMAAAAAABQAAAAUAAAAGQAAABkAAAAAAAAAAcAAAA4AAAAAAAAAAAAAAAAAAAA////AAAAAAAAAAAAAAAAAAAAAAAAAAAAAAAAAAAAAABkAAAAZAAAAAAAAAAjAAAABAAAAGQAAAAXAAAAFAAAAAAAAAAAAAAA/38AAP9/AAAAAAAACQAAAAQAAACcxxIMDAAAABAAAAAAAAAAAAAAAAAAAAAAAAAAHgAAAGgAAAAAAAAAAAAAAAAAAAAAAAAAAAAAABAnAAAQJwAAAAAAAAAAAAAAAAAAAAAAAAAAAAAAAAAAAAAAAAAAAAAUAAAAAAAAAMDA/wAAAAAAZAAAADIAAAAAAAAAZAAAAAAAAAB/f38ACgAAAB8AAABUAAAAu+DjBf///wEAAAAAAAAAAAAAAAAAAAAAAAAAAAAAAAAAAAAAAAAAAAAAAAJ/f38AgICAA8zMzADAwP8Af39/AAAAAAAAAAAAAAAAAP///wAAAAAAIQAAABgAAAAUAAAAOSAAAAYBAABtKgAA0A4AABAAAAAmAAAACAAAAP//////////"/>
+                <pr:smNativeData xmlns:pr="smNativeData" val="SMDATA_15_8OOwYxMAAAAlAAAAEQAAAC8BAAAAkAAAAEgAAACQAAAASAAAAAAAAAAAAAAAAAAAAAEAAABQAAAAAAAAAAAA4D8AAAAAAADgPwAAAAAAAOA/AAAAAAAA4D8AAAAAAADgPwAAAAAAAOA/AAAAAAAA4D8AAAAAAADgPwAAAAAAAOA/AAAAAAAA4D8CAAAAjAAAAAAAAAAAAAAAu+DjDP///wgAAAAAAAAAAAAAAAAAAAAAAAAAAAAAAAAAAAAAZAAAAAEAAABAAAAAAAAAAAAAAAAAAAAAAAAAAAAAAAAAAAAAAAAAAAAAAAAAAAAAAAAAAAAAAAAAAAAAAAAAAAAAAAAAAAAAAAAAAAAAAAAAAAAAAAAAAAAAAAAAAAAAFAAAADwAAAAAAAAAAAAAAAAAAAkUAAAAAQAAABQAAAAUAAAAFAAAAAEAAAAAAAAAZAAAAGQAAAAAAAAAZAAAAGQAAAAVAAAAYAAAAAAAAAAAAAAADwAAACADAAAAAAAAAAAAAAEAAACgMgAAVgcAAKr4//8BAAAAf39/AAEAAABkAAAAAAAAABQAAABAHwAAAAAAACYAAAAAAAAAwOD//wAAAAAmAAAAZAAAABYAAABMAAAAAAAAAAAAAAAEAAAAAAAAAAEAAACAgIAKAAAAACgAAAAoAAAAZAAAAGQAAAAAAAAAzMzMAAAAAABQAAAAUAAAAGQAAABkAAAAAAAAAAcAAAA4AAAAAAAAAAAAAAAAAAAA////AAAAAAAAAAAAAAAAAAAAAAAAAAAAAAAAAAAAAABkAAAAZAAAAAAAAAAjAAAABAAAAGQAAAAXAAAAFAAAAAAAAAAAAAAA/38AAP9/AAAAAAAACQAAAAQAAACcxxIMDAAAABAAAAAAAAAAAAAAAAAAAAAAAAAAHgAAAGgAAAAAAAAAAAAAAAAAAAAAAAAAAAAAABAnAAAQJwAAAAAAAAAAAAAAAAAAAAAAAAAAAAAAAAAAAAAAAAAAAAAUAAAAAAAAAMDA/wAAAAAAZAAAADIAAAAAAAAAZAAAAAAAAAB/f38ACgAAAB8AAABUAAAAu+DjBf///wEAAAAAAAAAAAAAAAAAAAAAAAAAAAAAAAAAAAAAAAAAAAAAAAJ/f38AgICAA8zMzADAwP8Af39/AAAAAAAAAAAAAAAAAP///wAAAAAAIQAAABgAAAAUAAAAOSAAAAYBAABtKgAA0A4AABAAAAAmAAAACAAAAP//////////"/>
               </a:ext>
             </a:extLst>
           </p:cNvPicPr>
@@ -3869,7 +3870,7 @@
             <a:picLocks noChangeAspect="1"/>
             <a:extLst>
               <a:ext uri="smNativeData">
-                <pr:smNativeData xmlns:pr="smNativeData" val="SMDATA_15_Na6sYxMAAAAlAAAAEQAAAC8BAAAAkAAAAEgAAACQAAAASAAAAAAAAAAAAAAAAAAAAAEAAABQAAAAAAAAAAAA4D8AAAAAAADgPwAAAAAAAOA/AAAAAAAA4D8AAAAAAADgPwAAAAAAAOA/AAAAAAAA4D8AAAAAAADgPwAAAAAAAOA/AAAAAAAA4D8CAAAAjAAAAAAAAAAAAAAAu+DjDP///wgAAAAAAAAAAAAAAAAAAAAAAAAAAAAAAAAAAAAAZAAAAAEAAABAAAAAAAAAAAAAAAAAAAAAAAAAAAAAAAAAAAAAAAAAAAAAAAAAAAAAAAAAAAAAAAAAAAAAAAAAAAAAAAAAAAAAAAAAAAAAAAAAAAAAAAAAAAAAAAAAAAAAFAAAADwAAAAAAAAAAAAAAAAAAAkUAAAAAQAAABQAAAAUAAAAFAAAAAEAAAAAAAAAZAAAAGQAAAAAAAAAZAAAAGQAAAAVAAAAYAAAAAAAAAAAAAAADwAAACADAAAAAAAAAAAAAAEAAACgMgAAVgcAAKr4//8BAAAAf39/AAEAAABkAAAAAAAAABQAAABAHwAAAAAAACYAAAAAAAAAwOD//wAAAAAmAAAAZAAAABYAAABMAAAAAAAAAAAAAAAEAAAAAAAAAAEAAACAgIAKAAAAACgAAAAoAAAAZAAAAGQAAAAAAAAAzMzMAAAAAABQAAAAUAAAAGQAAABkAAAAAAAAAAcAAAA4AAAAAAAAAAAAAAAAAAAA////AAAAAAAAAAAAAAAAAAAAAAAAAAAAAAAAAAAAAABkAAAAZAAAAAAAAAAjAAAABAAAAGQAAAAXAAAAFAAAAAAAAAAAAAAA/38AAP9/AAAAAAAACQAAAAQAAAD/////DAAAABAAAAAAAAAAAAAAAAAAAAAAAAAAHgAAAGgAAAAAAAAAAAAAAAAAAAAAAAAAAAAAABAnAAAQJwAAAAAAAAAAAAAAAAAAAAAAAAAAAAAAAAAAAAAAAAAAAAAUAAAAAAAAAMDA/wAAAAAAZAAAADIAAAAAAAAAZAAAAAAAAAB/f38ACgAAAB8AAABUAAAAu+DjBf///wEAAAAAAAAAAAAAAAAAAAAAAAAAAAAAAAAAAAAAAAAAAAAAAAJ/f38AgICAA8zMzADAwP8Af39/AAAAAAAAAAAAAAAAAP///wAAAAAAIQAAABgAAAAUAAAAKg0AAAIPAABHGAAAUxkAABAAAAAmAAAACAAAAP//////////"/>
+                <pr:smNativeData xmlns:pr="smNativeData" val="SMDATA_15_8OOwYxMAAAAlAAAAEQAAAC8BAAAAkAAAAEgAAACQAAAASAAAAAAAAAAAAAAAAAAAAAEAAABQAAAAAAAAAAAA4D8AAAAAAADgPwAAAAAAAOA/AAAAAAAA4D8AAAAAAADgPwAAAAAAAOA/AAAAAAAA4D8AAAAAAADgPwAAAAAAAOA/AAAAAAAA4D8CAAAAjAAAAAAAAAAAAAAAu+DjDP///wgAAAAAAAAAAAAAAAAAAAAAAAAAAAAAAAAAAAAAZAAAAAEAAABAAAAAAAAAAAAAAAAAAAAAAAAAAAAAAAAAAAAAAAAAAAAAAAAAAAAAAAAAAAAAAAAAAAAAAAAAAAAAAAAAAAAAAAAAAAAAAAAAAAAAAAAAAAAAAAAAAAAAFAAAADwAAAAAAAAAAAAAAAAAAAkUAAAAAQAAABQAAAAUAAAAFAAAAAEAAAAAAAAAZAAAAGQAAAAAAAAAZAAAAGQAAAAVAAAAYAAAAAAAAAAAAAAADwAAACADAAAAAAAAAAAAAAEAAACgMgAAVgcAAKr4//8BAAAAf39/AAEAAABkAAAAAAAAABQAAABAHwAAAAAAACYAAAAAAAAAwOD//wAAAAAmAAAAZAAAABYAAABMAAAAAAAAAAAAAAAEAAAAAAAAAAEAAACAgIAKAAAAACgAAAAoAAAAZAAAAGQAAAAAAAAAzMzMAAAAAABQAAAAUAAAAGQAAABkAAAAAAAAAAcAAAA4AAAAAAAAAAAAAAAAAAAA////AAAAAAAAAAAAAAAAAAAAAAAAAAAAAAAAAAAAAABkAAAAZAAAAAAAAAAjAAAABAAAAGQAAAAXAAAAFAAAAAAAAAAAAAAA/38AAP9/AAAAAAAACQAAAAQAAAD/////DAAAABAAAAAAAAAAAAAAAAAAAAAAAAAAHgAAAGgAAAAAAAAAAAAAAAAAAAAAAAAAAAAAABAnAAAQJwAAAAAAAAAAAAAAAAAAAAAAAAAAAAAAAAAAAAAAAAAAAAAUAAAAAAAAAMDA/wAAAAAAZAAAADIAAAAAAAAAZAAAAAAAAAB/f38ACgAAAB8AAABUAAAAu+DjBf///wEAAAAAAAAAAAAAAAAAAAAAAAAAAAAAAAAAAAAAAAAAAAAAAAJ/f38AgICAA8zMzADAwP8Af39/AAAAAAAAAAAAAAAAAP///wAAAAAAIQAAABgAAAAUAAAAKg0AAAIPAABHGAAAUxkAABAAAAAmAAAACAAAAP//////////"/>
               </a:ext>
             </a:extLst>
           </p:cNvPicPr>
@@ -3903,7 +3904,7 @@
             <a:picLocks noChangeAspect="1"/>
             <a:extLst>
               <a:ext uri="smNativeData">
-                <pr:smNativeData xmlns:pr="smNativeData" val="SMDATA_15_Na6sYxMAAAAlAAAAEQAAAC8BAAAAkAAAAEgAAACQAAAASAAAAAAAAAAAAAAAAAAAAAEAAABQAAAAAAAAAAAA4D8AAAAAAADgPwAAAAAAAOA/AAAAAAAA4D8AAAAAAADgPwAAAAAAAOA/AAAAAAAA4D8AAAAAAADgPwAAAAAAAOA/AAAAAAAA4D8CAAAAjAAAAAAAAAAAAAAAu+DjDP///wgAAAAAAAAAAAAAAAAAAAAAAAAAAAAAAAAAAAAAZAAAAAEAAABAAAAAAAAAAAAAAAAAAAAAAAAAAAAAAAAAAAAAAAAAAAAAAAAAAAAAAAAAAAAAAAAAAAAAAAAAAAAAAAAAAAAAAAAAAAAAAAAAAAAAAAAAAAAAAAAAAAAAFAAAADwAAAAAAAAAAAAAAAAAAAkUAAAAAQAAABQAAAAUAAAAFAAAAAEAAAAAAAAAZAAAAGQAAAAAAAAAZAAAAGQAAAAVAAAAYAAAAAAAAAAAAAAADwAAACADAAAAAAAAAAAAAAEAAACgMgAAVgcAAKr4//8BAAAAf39/AAEAAABkAAAAAAAAABQAAABAHwAAAAAAACYAAAAAAAAAwOD//wAAAAAmAAAAZAAAABYAAABMAAAAAAAAAAAAAAAEAAAAAAAAAAEAAACAgIAKAAAAACgAAAAoAAAAZAAAAGQAAAAAAAAAzMzMAAAAAABQAAAAUAAAAGQAAABkAAAAAAAAAAcAAAA4AAAAAAAAAAAAAAAAAAAA////AAAAAAAAAAAAAAAAAAAAAAAAAAAAAAAAAAAAAABkAAAAZAAAAAAAAAAjAAAABAAAAGQAAAAXAAAAFAAAAAAAAAAAAAAA/38AAP9/AAAAAAAACQAAAAQAAAC6AgAADAAAABAAAAAAAAAAAAAAAAAAAAAAAAAAHgAAAGgAAAAAAAAAAAAAAAAAAAAAAAAAAAAAABAnAAAQJwAAAAAAAAAAAAAAAAAAAAAAAAAAAAAAAAAAAAAAAAAAAAAUAAAAAAAAAMDA/wAAAAAAZAAAADIAAAAAAAAAZAAAAAAAAAB/f38ACgAAAB8AAABUAAAAu+DjBf///wEAAAAAAAAAAAAAAAAAAAAAAAAAAAAAAAAAAAAAAAAAAAAAAAJ/f38AgICAA8zMzADAwP8Af39/AAAAAAAAAAAAAAAAAP///wAAAAAAIQAAABgAAAAUAAAAVRgAAAIPAAAEIwAAKRkAABAAAAAmAAAACAAAAP//////////"/>
+                <pr:smNativeData xmlns:pr="smNativeData" val="SMDATA_15_8OOwYxMAAAAlAAAAEQAAAC8BAAAAkAAAAEgAAACQAAAASAAAAAAAAAAAAAAAAAAAAAEAAABQAAAAAAAAAAAA4D8AAAAAAADgPwAAAAAAAOA/AAAAAAAA4D8AAAAAAADgPwAAAAAAAOA/AAAAAAAA4D8AAAAAAADgPwAAAAAAAOA/AAAAAAAA4D8CAAAAjAAAAAAAAAAAAAAAu+DjDP///wgAAAAAAAAAAAAAAAAAAAAAAAAAAAAAAAAAAAAAZAAAAAEAAABAAAAAAAAAAAAAAAAAAAAAAAAAAAAAAAAAAAAAAAAAAAAAAAAAAAAAAAAAAAAAAAAAAAAAAAAAAAAAAAAAAAAAAAAAAAAAAAAAAAAAAAAAAAAAAAAAAAAAFAAAADwAAAAAAAAAAAAAAAAAAAkUAAAAAQAAABQAAAAUAAAAFAAAAAEAAAAAAAAAZAAAAGQAAAAAAAAAZAAAAGQAAAAVAAAAYAAAAAAAAAAAAAAADwAAACADAAAAAAAAAAAAAAEAAACgMgAAVgcAAKr4//8BAAAAf39/AAEAAABkAAAAAAAAABQAAABAHwAAAAAAACYAAAAAAAAAwOD//wAAAAAmAAAAZAAAABYAAABMAAAAAAAAAAAAAAAEAAAAAAAAAAEAAACAgIAKAAAAACgAAAAoAAAAZAAAAGQAAAAAAAAAzMzMAAAAAABQAAAAUAAAAGQAAABkAAAAAAAAAAcAAAA4AAAAAAAAAAAAAAAAAAAA////AAAAAAAAAAAAAAAAAAAAAAAAAAAAAAAAAAAAAABkAAAAZAAAAAAAAAAjAAAABAAAAGQAAAAXAAAAFAAAAAAAAAAAAAAA/38AAP9/AAAAAAAACQAAAAQAAAC6AgAADAAAABAAAAAAAAAAAAAAAAAAAAAAAAAAHgAAAGgAAAAAAAAAAAAAAAAAAAAAAAAAAAAAABAnAAAQJwAAAAAAAAAAAAAAAAAAAAAAAAAAAAAAAAAAAAAAAAAAAAAUAAAAAAAAAMDA/wAAAAAAZAAAADIAAAAAAAAAZAAAAAAAAAB/f38ACgAAAB8AAABUAAAAu+DjBf///wEAAAAAAAAAAAAAAAAAAAAAAAAAAAAAAAAAAAAAAAAAAAAAAAJ/f38AgICAA8zMzADAwP8Af39/AAAAAAAAAAAAAAAAAP///wAAAAAAIQAAABgAAAAUAAAAVRgAAAIPAAAEIwAAKRkAABAAAAAmAAAACAAAAP//////////"/>
               </a:ext>
             </a:extLst>
           </p:cNvPicPr>
@@ -3937,7 +3938,7 @@
             <a:picLocks noChangeAspect="1"/>
             <a:extLst>
               <a:ext uri="smNativeData">
-                <pr:smNativeData xmlns:pr="smNativeData" val="SMDATA_15_Na6sYxMAAAAlAAAAEQAAAC8BAAAAkAAAAEgAAACQAAAASAAAAAAAAAAAAAAAAAAAAAEAAABQAAAAAAAAAAAA4D8AAAAAAADgPwAAAAAAAOA/AAAAAAAA4D8AAAAAAADgPwAAAAAAAOA/AAAAAAAA4D8AAAAAAADgPwAAAAAAAOA/AAAAAAAA4D8CAAAAjAAAAAAAAAAAAAAAu+DjDP///wgAAAAAAAAAAAAAAAAAAAAAAAAAAAAAAAAAAAAAZAAAAAEAAABAAAAAAAAAAAAAAAAAAAAAAAAAAAAAAAAAAAAAAAAAAAAAAAAAAAAAAAAAAAAAAAAAAAAAAAAAAAAAAAAAAAAAAAAAAAAAAAAAAAAAAAAAAAAAAAAAAAAAFAAAADwAAAAAAAAAAAAAAAAAAAkUAAAAAQAAABQAAAAUAAAAFAAAAAEAAAAAAAAAZAAAAGQAAAAAAAAAZAAAAGQAAAAVAAAAYAAAAAAAAAAAAAAADwAAACADAAAAAAAAAAAAAAEAAACgMgAAVgcAAKr4//8BAAAAf39/AAEAAABkAAAAAAAAABQAAABAHwAAAAAAACYAAAAAAAAAwOD//wAAAAAmAAAAZAAAABYAAABMAAAAAAAAAAAAAAAEAAAAAAAAAAEAAACAgIAKAAAAACgAAAAoAAAAZAAAAGQAAAAAAAAAzMzMAAAAAABQAAAAUAAAAGQAAABkAAAAAAAAAAcAAAA4AAAAAAAAAAAAAAAAAAAA////AAAAAAAAAAAAAAAAAAAAAAAAAAAAAAAAAAAAAABkAAAAZAAAAAAAAAAjAAAABAAAAGQAAAAXAAAAFAAAAAAAAAAAAAAA/38AAP9/AAAAAAAACQAAAAQAAAAAAAAADAAAABAAAAAAAAAAAAAAAAAAAAAAAAAAHgAAAGgAAAAAAAAAAAAAAAAAAAAAAAAAAAAAABAnAAAQJwAAAAAAAAAAAAAAAAAAAAAAAAAAAAAAAAAAAAAAAAAAAAAUAAAAAAAAAMDA/wAAAAAAZAAAADIAAAAAAAAAZAAAAAAAAAB/f38ACgAAAB8AAABUAAAAu+DjBf///wEAAAAAAAAAAAAAAAAAAAAAAAAAAAAAAAAAAAAAAAAAAAAAAAJ/f38AgICAA8zMzADAwP8Af39/AAAAAAAAAAAAAAAAAP///wAAAAAAIQAAABgAAAAUAAAAUwEAAAIPAADODAAAKRkAABAAAAAmAAAACAAAAP//////////"/>
+                <pr:smNativeData xmlns:pr="smNativeData" val="SMDATA_15_8OOwYxMAAAAlAAAAEQAAAC8BAAAAkAAAAEgAAACQAAAASAAAAAAAAAAAAAAAAAAAAAEAAABQAAAAAAAAAAAA4D8AAAAAAADgPwAAAAAAAOA/AAAAAAAA4D8AAAAAAADgPwAAAAAAAOA/AAAAAAAA4D8AAAAAAADgPwAAAAAAAOA/AAAAAAAA4D8CAAAAjAAAAAAAAAAAAAAAu+DjDP///wgAAAAAAAAAAAAAAAAAAAAAAAAAAAAAAAAAAAAAZAAAAAEAAABAAAAAAAAAAAAAAAAAAAAAAAAAAAAAAAAAAAAAAAAAAAAAAAAAAAAAAAAAAAAAAAAAAAAAAAAAAAAAAAAAAAAAAAAAAAAAAAAAAAAAAAAAAAAAAAAAAAAAFAAAADwAAAAAAAAAAAAAAAAAAAkUAAAAAQAAABQAAAAUAAAAFAAAAAEAAAAAAAAAZAAAAGQAAAAAAAAAZAAAAGQAAAAVAAAAYAAAAAAAAAAAAAAADwAAACADAAAAAAAAAAAAAAEAAACgMgAAVgcAAKr4//8BAAAAf39/AAEAAABkAAAAAAAAABQAAABAHwAAAAAAACYAAAAAAAAAwOD//wAAAAAmAAAAZAAAABYAAABMAAAAAAAAAAAAAAAEAAAAAAAAAAEAAACAgIAKAAAAACgAAAAoAAAAZAAAAGQAAAAAAAAAzMzMAAAAAABQAAAAUAAAAGQAAABkAAAAAAAAAAcAAAA4AAAAAAAAAAAAAAAAAAAA////AAAAAAAAAAAAAAAAAAAAAAAAAAAAAAAAAAAAAABkAAAAZAAAAAAAAAAjAAAABAAAAGQAAAAXAAAAFAAAAAAAAAAAAAAA/38AAP9/AAAAAAAACQAAAAQAAAAAAAAADAAAABAAAAAAAAAAAAAAAAAAAAAAAAAAHgAAAGgAAAAAAAAAAAAAAAAAAAAAAAAAAAAAABAnAAAQJwAAAAAAAAAAAAAAAAAAAAAAAAAAAAAAAAAAAAAAAAAAAAAUAAAAAAAAAMDA/wAAAAAAZAAAADIAAAAAAAAAZAAAAAAAAAB/f38ACgAAAB8AAABUAAAAu+DjBf///wEAAAAAAAAAAAAAAAAAAAAAAAAAAAAAAAAAAAAAAAAAAAAAAAJ/f38AgICAA8zMzADAwP8Af39/AAAAAAAAAAAAAAAAAP///wAAAAAAIQAAABgAAAAUAAAAUwEAAAIPAADODAAAKRkAABAAAAAmAAAACAAAAP//////////"/>
               </a:ext>
             </a:extLst>
           </p:cNvPicPr>
@@ -4003,7 +4004,7 @@
             <a:picLocks noChangeAspect="1"/>
             <a:extLst>
               <a:ext uri="smNativeData">
-                <pr:smNativeData xmlns:pr="smNativeData" val="SMDATA_15_Na6sYxMAAAAlAAAAEQAAAC8BAAAAkAAAAEgAAACQAAAASAAAAAAAAAAAAAAAAAAAAAEAAABQAAAAAAAAAAAA4D8AAAAAAADgPwAAAAAAAOA/AAAAAAAA4D8AAAAAAADgPwAAAAAAAOA/AAAAAAAA4D8AAAAAAADgPwAAAAAAAOA/AAAAAAAA4D8CAAAAjAAAAAAAAAAAAAAAu+DjDP///wgAAAAAAAAAAAAAAAAAAAAAAAAAAAAAAAAAAAAAZAAAAAEAAABAAAAAAAAAAAAAAAAAAAAAAAAAAAAAAAAAAAAAAAAAAAAAAAAAAAAAAAAAAAAAAAAAAAAAAAAAAAAAAAAAAAAAAAAAAAAAAAAAAAAAAAAAAAAAAAAAAAAAFAAAADwAAAAAAAAAAAAAAAAAAAkUAAAAAQAAABQAAAAUAAAAFAAAAAEAAAAAAAAAZAAAAGQAAAAAAAAAZAAAAGQAAAAVAAAAYAAAAAAAAAAAAAAADwAAACADAAAAAAAAAAAAAAEAAACgMgAAVgcAAKr4//8BAAAAf39/AAEAAABkAAAAAAAAABQAAABAHwAAAAAAACYAAAAAAAAAwOD//wAAAAAmAAAAZAAAABYAAABMAAAAAAAAAAAAAAAEAAAAAAAAAAEAAACAgIAKAAAAACgAAAAoAAAAZAAAAGQAAAAAAAAAzMzMAAAAAABQAAAAUAAAAGQAAABkAAAAAAAAAAcAAAA4AAAAAAAAAAAAAAAAAAAA////AAAAAAAAAAAAAAAAAAAAAAAAAAAAAAAAAAAAAABkAAAAZAAAAAAAAAAjAAAABAAAAGQAAAAXAAAAFAAAAAAAAAAAAAAA/38AAP9/AAAAAAAACQAAAAQAAABEqHYJDAAAABAAAAAAAAAAAAAAAAAAAAAAAAAAHgAAAGgAAAAAAAAAAAAAAAAAAAAAAAAAAAAAABAnAAAQJwAAAAAAAAAAAAAAAAAAAAAAAAAAAAAAAAAAAAAAAAAAAAAUAAAAAAAAAMDA/wAAAAAAZAAAADIAAAAAAAAAZAAAAAAAAAB/f38ACgAAAB8AAABUAAAAu+DjBf///wEAAAAAAAAAAAAAAAAAAAAAAAAAAAAAAAAAAAAAAAAAAAAAAAJ/f38AgICAA8zMzADAwP8Af39/AAAAAAAAAAAAAAAAAP///wAAAAAAIQAAABgAAAAUAAAAiAMAABAHAADkLgAADBoAABAAAAAmAAAACAAAAP//////////"/>
+                <pr:smNativeData xmlns:pr="smNativeData" val="SMDATA_15_8OOwYxMAAAAlAAAAEQAAAC8BAAAAkAAAAEgAAACQAAAASAAAAAAAAAAAAAAAAAAAAAEAAABQAAAAAAAAAAAA4D8AAAAAAADgPwAAAAAAAOA/AAAAAAAA4D8AAAAAAADgPwAAAAAAAOA/AAAAAAAA4D8AAAAAAADgPwAAAAAAAOA/AAAAAAAA4D8CAAAAjAAAAAAAAAAAAAAAu+DjDP///wgAAAAAAAAAAAAAAAAAAAAAAAAAAAAAAAAAAAAAZAAAAAEAAABAAAAAAAAAAAAAAAAAAAAAAAAAAAAAAAAAAAAAAAAAAAAAAAAAAAAAAAAAAAAAAAAAAAAAAAAAAAAAAAAAAAAAAAAAAAAAAAAAAAAAAAAAAAAAAAAAAAAAFAAAADwAAAAAAAAAAAAAAAAAAAkUAAAAAQAAABQAAAAUAAAAFAAAAAEAAAAAAAAAZAAAAGQAAAAAAAAAZAAAAGQAAAAVAAAAYAAAAAAAAAAAAAAADwAAACADAAAAAAAAAAAAAAEAAACgMgAAVgcAAKr4//8BAAAAf39/AAEAAABkAAAAAAAAABQAAABAHwAAAAAAACYAAAAAAAAAwOD//wAAAAAmAAAAZAAAABYAAABMAAAAAAAAAAAAAAAEAAAAAAAAAAEAAACAgIAKAAAAACgAAAAoAAAAZAAAAGQAAAAAAAAAzMzMAAAAAABQAAAAUAAAAGQAAABkAAAAAAAAAAcAAAA4AAAAAAAAAAAAAAAAAAAA////AAAAAAAAAAAAAAAAAAAAAAAAAAAAAAAAAAAAAABkAAAAZAAAAAAAAAAjAAAABAAAAGQAAAAXAAAAFAAAAAAAAAAAAAAA/38AAP9/AAAAAAAACQAAAAQAAABEqHYJDAAAABAAAAAAAAAAAAAAAAAAAAAAAAAAHgAAAGgAAAAAAAAAAAAAAAAAAAAAAAAAAAAAABAnAAAQJwAAAAAAAAAAAAAAAAAAAAAAAAAAAAAAAAAAAAAAAAAAAAAUAAAAAAAAAMDA/wAAAAAAZAAAADIAAAAAAAAAZAAAAAAAAAB/f38ACgAAAB8AAABUAAAAu+DjBf///wEAAAAAAAAAAAAAAAAAAAAAAAAAAAAAAAAAAAAAAAAAAAAAAAJ/f38AgICAA8zMzADAwP8Af39/AAAAAAAAAAAAAAAAAP///wAAAAAAIQAAABgAAAAUAAAAiAMAABAHAADkLgAADBoAABAAAAAmAAAACAAAAP//////////"/>
               </a:ext>
             </a:extLst>
           </p:cNvPicPr>
@@ -4069,7 +4070,7 @@
             <a:picLocks noChangeAspect="1"/>
             <a:extLst>
               <a:ext uri="smNativeData">
-                <pr:smNativeData xmlns:pr="smNativeData" val="SMDATA_15_Na6sYxMAAAAlAAAAEQAAAC8BAAAAkAAAAEgAAACQAAAASAAAAAAAAAAAAAAAAAAAAAEAAABQAAAAAAAAAAAA4D8AAAAAAADgPwAAAAAAAOA/AAAAAAAA4D8AAAAAAADgPwAAAAAAAOA/AAAAAAAA4D8AAAAAAADgPwAAAAAAAOA/AAAAAAAA4D8CAAAAjAAAAAAAAAAAAAAAu+DjDP///wgAAAAAAAAAAAAAAAAAAAAAAAAAAAAAAAAAAAAAZAAAAAEAAABAAAAAAAAAAAAAAAAAAAAAAAAAAAAAAAAAAAAAAAAAAAAAAAAAAAAAAAAAAAAAAAAAAAAAAAAAAAAAAAAAAAAAAAAAAAAAAAAAAAAAAAAAAAAAAAAAAAAAFAAAADwAAAAAAAAAAAAAAAAAAAkUAAAAAQAAABQAAAAUAAAAFAAAAAEAAAAAAAAAZAAAAGQAAAAAAAAAZAAAAGQAAAAVAAAAYAAAAAAAAAAAAAAADwAAACADAAAAAAAAAAAAAAEAAACgMgAAVgcAAKr4//8BAAAAf39/AAEAAABkAAAAAAAAABQAAABAHwAAAAAAACYAAAAAAAAAwOD//wAAAAAmAAAAZAAAABYAAABMAAAAAAAAAAAAAAAEAAAAAAAAAAEAAACAgIAKAAAAACgAAAAoAAAAZAAAAGQAAAAAAAAAzMzMAAAAAABQAAAAUAAAAGQAAABkAAAAAAAAAAcAAAA4AAAAAAAAAAAAAAAAAAAA////AAAAAAAAAAAAAAAAAAAAAAAAAAAAAAAAAAAAAABkAAAAZAAAAAAAAAAjAAAABAAAAGQAAAAXAAAAFAAAAAAAAAAAAAAA/38AAP9/AAAAAAAACQAAAAQAAADAAxAADAAAABAAAAAAAAAAAAAAAAAAAAAAAAAAHgAAAGgAAAAAAAAAAAAAAAAAAAAAAAAAAAAAABAnAAAQJwAAAAAAAAAAAAAAAAAAAAAAAAAAAAAAAAAAAAAAAAAAAAAUAAAAAAAAAMDA/wAAAAAAZAAAADIAAAAAAAAAZAAAAAAAAAB/f38ACgAAAB8AAABUAAAAu+DjBf///wEAAAAAAAAAAAAAAAAAAAAAAAAAAAAAAAAAAAAAAAAAAAAAAAJ/f38AgICAA8zMzADAwP8Af39/AAAAAAAAAAAAAAAAAP///wAAAAAAIQAAABgAAAAUAAAAJwQAAJgKAADtGgAArhkAABAAAAAmAAAACAAAAP//////////"/>
+                <pr:smNativeData xmlns:pr="smNativeData" val="SMDATA_15_8OOwYxMAAAAlAAAAEQAAAC8BAAAAkAAAAEgAAACQAAAASAAAAAAAAAAAAAAAAAAAAAEAAABQAAAAAAAAAAAA4D8AAAAAAADgPwAAAAAAAOA/AAAAAAAA4D8AAAAAAADgPwAAAAAAAOA/AAAAAAAA4D8AAAAAAADgPwAAAAAAAOA/AAAAAAAA4D8CAAAAjAAAAAAAAAAAAAAAu+DjDP///wgAAAAAAAAAAAAAAAAAAAAAAAAAAAAAAAAAAAAAZAAAAAEAAABAAAAAAAAAAAAAAAAAAAAAAAAAAAAAAAAAAAAAAAAAAAAAAAAAAAAAAAAAAAAAAAAAAAAAAAAAAAAAAAAAAAAAAAAAAAAAAAAAAAAAAAAAAAAAAAAAAAAAFAAAADwAAAAAAAAAAAAAAAAAAAkUAAAAAQAAABQAAAAUAAAAFAAAAAEAAAAAAAAAZAAAAGQAAAAAAAAAZAAAAGQAAAAVAAAAYAAAAAAAAAAAAAAADwAAACADAAAAAAAAAAAAAAEAAACgMgAAVgcAAKr4//8BAAAAf39/AAEAAABkAAAAAAAAABQAAABAHwAAAAAAACYAAAAAAAAAwOD//wAAAAAmAAAAZAAAABYAAABMAAAAAAAAAAAAAAAEAAAAAAAAAAEAAACAgIAKAAAAACgAAAAoAAAAZAAAAGQAAAAAAAAAzMzMAAAAAABQAAAAUAAAAGQAAABkAAAAAAAAAAcAAAA4AAAAAAAAAAAAAAAAAAAA////AAAAAAAAAAAAAAAAAAAAAAAAAAAAAAAAAAAAAABkAAAAZAAAAAAAAAAjAAAABAAAAGQAAAAXAAAAFAAAAAAAAAAAAAAA/38AAP9/AAAAAAAACQAAAAQAAADAAxAADAAAABAAAAAAAAAAAAAAAAAAAAAAAAAAHgAAAGgAAAAAAAAAAAAAAAAAAAAAAAAAAAAAABAnAAAQJwAAAAAAAAAAAAAAAAAAAAAAAAAAAAAAAAAAAAAAAAAAAAAUAAAAAAAAAMDA/wAAAAAAZAAAADIAAAAAAAAAZAAAAAAAAAB/f38ACgAAAB8AAABUAAAAu+DjBf///wEAAAAAAAAAAAAAAAAAAAAAAAAAAAAAAAAAAAAAAAAAAAAAAAJ/f38AgICAA8zMzADAwP8Af39/AAAAAAAAAAAAAAAAAP///wAAAAAAIQAAABgAAAAUAAAAJwQAAJgKAADtGgAArhkAABAAAAAmAAAACAAAAP//////////"/>
               </a:ext>
             </a:extLst>
           </p:cNvPicPr>
@@ -4103,7 +4104,7 @@
             <a:picLocks noChangeAspect="1"/>
             <a:extLst>
               <a:ext uri="smNativeData">
-                <pr:smNativeData xmlns:pr="smNativeData" val="SMDATA_15_Na6sYxMAAAAlAAAAEQAAAC8BAAAAkAAAAEgAAACQAAAASAAAAAAAAAAAAAAAAAAAAAEAAABQAAAAAAAAAAAA4D8AAAAAAADgPwAAAAAAAOA/AAAAAAAA4D8AAAAAAADgPwAAAAAAAOA/AAAAAAAA4D8AAAAAAADgPwAAAAAAAOA/AAAAAAAA4D8CAAAAjAAAAAAAAAAAAAAAu+DjDP///wgAAAAAAAAAAAAAAAAAAAAAAAAAAAAAAAAAAAAAZAAAAAEAAABAAAAAAAAAAAAAAAAAAAAAAAAAAAAAAAAAAAAAAAAAAAAAAAAAAAAAAAAAAAAAAAAAAAAAAAAAAAAAAAAAAAAAAAAAAAAAAAAAAAAAAAAAAAAAAAAAAAAAFAAAADwAAAAAAAAAAAAAAAAAAAkUAAAAAQAAABQAAAAUAAAAFAAAAAEAAAAAAAAAZAAAAGQAAAAAAAAAZAAAAGQAAAAVAAAAYAAAAAAAAAAAAAAADwAAACADAAAAAAAAAAAAAAEAAACgMgAAVgcAAKr4//8BAAAAf39/AAEAAABkAAAAAAAAABQAAABAHwAAAAAAACYAAAAAAAAAwOD//wAAAAAmAAAAZAAAABYAAABMAAAAAAAAAAAAAAAEAAAAAAAAAAEAAACAgIAKAAAAACgAAAAoAAAAZAAAAGQAAAAAAAAAzMzMAAAAAABQAAAAUAAAAGQAAABkAAAAAAAAAAcAAAA4AAAAAAAAAAAAAAAAAAAA////AAAAAAAAAAAAAAAAAAAAAAAAAAAAAAAAAAAAAABkAAAAZAAAAAAAAAAjAAAABAAAAGQAAAAXAAAAFAAAAAAAAAAAAAAA/38AAP9/AAAAAAAACQAAAAQAAAB8Yu0LDAAAABAAAAAAAAAAAAAAAAAAAAAAAAAAHgAAAGgAAAAAAAAAAAAAAAAAAAAAAAAAAAAAABAnAAAQJwAAAAAAAAAAAAAAAAAAAAAAAAAAAAAAAAAAAAAAAAAAAAAUAAAAAAAAAMDA/wAAAAAAZAAAADIAAAAAAAAAZAAAAAAAAAB/f38ACgAAAB8AAABUAAAAu+DjBf///wEAAAAAAAAAAAAAAAAAAAAAAAAAAAAAAAAAAAAAAAAAAAAAAAJ/f38AgICAA8zMzADAwP8Af39/AAAAAAAAAAAAAAAAAP///wAAAAAAIQAAABgAAAAUAAAA3B4AAJgKAACkLQAAmhkAABAAAAAmAAAACAAAAP//////////"/>
+                <pr:smNativeData xmlns:pr="smNativeData" val="SMDATA_15_8OOwYxMAAAAlAAAAEQAAAC8BAAAAkAAAAEgAAACQAAAASAAAAAAAAAAAAAAAAAAAAAEAAABQAAAAAAAAAAAA4D8AAAAAAADgPwAAAAAAAOA/AAAAAAAA4D8AAAAAAADgPwAAAAAAAOA/AAAAAAAA4D8AAAAAAADgPwAAAAAAAOA/AAAAAAAA4D8CAAAAjAAAAAAAAAAAAAAAu+DjDP///wgAAAAAAAAAAAAAAAAAAAAAAAAAAAAAAAAAAAAAZAAAAAEAAABAAAAAAAAAAAAAAAAAAAAAAAAAAAAAAAAAAAAAAAAAAAAAAAAAAAAAAAAAAAAAAAAAAAAAAAAAAAAAAAAAAAAAAAAAAAAAAAAAAAAAAAAAAAAAAAAAAAAAFAAAADwAAAAAAAAAAAAAAAAAAAkUAAAAAQAAABQAAAAUAAAAFAAAAAEAAAAAAAAAZAAAAGQAAAAAAAAAZAAAAGQAAAAVAAAAYAAAAAAAAAAAAAAADwAAACADAAAAAAAAAAAAAAEAAACgMgAAVgcAAKr4//8BAAAAf39/AAEAAABkAAAAAAAAABQAAABAHwAAAAAAACYAAAAAAAAAwOD//wAAAAAmAAAAZAAAABYAAABMAAAAAAAAAAAAAAAEAAAAAAAAAAEAAACAgIAKAAAAACgAAAAoAAAAZAAAAGQAAAAAAAAAzMzMAAAAAABQAAAAUAAAAGQAAABkAAAAAAAAAAcAAAA4AAAAAAAAAAAAAAAAAAAA////AAAAAAAAAAAAAAAAAAAAAAAAAAAAAAAAAAAAAABkAAAAZAAAAAAAAAAjAAAABAAAAGQAAAAXAAAAFAAAAAAAAAAAAAAA/38AAP9/AAAAAAAACQAAAAQAAAB8Yu0LDAAAABAAAAAAAAAAAAAAAAAAAAAAAAAAHgAAAGgAAAAAAAAAAAAAAAAAAAAAAAAAAAAAABAnAAAQJwAAAAAAAAAAAAAAAAAAAAAAAAAAAAAAAAAAAAAAAAAAAAAUAAAAAAAAAMDA/wAAAAAAZAAAADIAAAAAAAAAZAAAAAAAAAB/f38ACgAAAB8AAABUAAAAu+DjBf///wEAAAAAAAAAAAAAAAAAAAAAAAAAAAAAAAAAAAAAAAAAAAAAAAJ/f38AgICAA8zMzADAwP8Af39/AAAAAAAAAAAAAAAAAP///wAAAAAAIQAAABgAAAAUAAAA3B4AAJgKAACkLQAAmhkAABAAAAAmAAAACAAAAP//////////"/>
               </a:ext>
             </a:extLst>
           </p:cNvPicPr>
@@ -4136,7 +4137,7 @@
           <p:cNvSpPr>
             <a:extLst>
               <a:ext uri="smNativeData">
-                <pr:smNativeData xmlns:pr="smNativeData" val="SMDATA_13_Na6sYxMAAAAlAAAA2AAAAA8BAAAAkAAAAEgAAACQAAAASAAAAAAAAAAAAAAAAAAAAAEAAABQAAAAAAAAAAAA4D8AAAAAAADgPwAAAAAAAOA/AAAAAAAA4D8AAAAAAADgPwAAAAAAAOA/AAAAAAAA4D8AAAAAAADgPwAAAAAAAOA/AAAAAAAA4D8CAAAAjAAAAAEAAAAAAAAAs7OzAP///wgAAAAAAAAAAAAAAAAAAAAAAAAAAAAAAAAAAAAAZAAAAAEAAABAAAAAAAAAAAAAAAAAAAAAAAAAAAAAAAAAAAAAAAAAAAAAAAAAAAAAAAAAAAAAAAAAAAAAAAAAAAAAAAAAAAAAAAAAAAAAAAAAAAAAAAAAAAAAAAAAAAAAFAAAADwAAAABAAAAAAAAAAAAAAkUAAAAAQAAABQAAAAUAAAAFAAAAAEAAAAAAAAAZAAAAGQAAAAAAAAAZAAAAGQAAAAVAAAAYAAAAAAAAAAAAAAADwAAACADAAAAAAAAAAAAAAEAAACgMgAAVgcAAKr4//8BAAAAf39/AAEAAABkAAAAAAAAABQAAABAHwAAAAAAACYAAAAAAAAAwOD//wAAAAAmAAAAZAAAABYAAABMAAAAAAAAAAAAAAAEAAAAAAAAAAEAAACAgIAKAAAAACgAAAAoAAAAZAAAAGQAAAAAAAAAzMzMAAAAAABQAAAAUAAAAGQAAABkAAAAAAAAABcAAAAUAAAAAAAAAAAAAAD/fwAA/38AAAAAAAAJAAAABAAAAFNQSU4MAAAAEAAAAAAAAAAAAAAAAAAAAAAAAAAeAAAAaAAAAAAAAAAAAAAAAAAAAAAAAAAAAAAAECcAABAnAAAAAAAAAAAAAAAAAAAAAAAAAAAAAAAAAAAAAAAAAAAAABQAAAAAAAAAwMD/AAAAAABkAAAAMgAAAAAAAABkAAAAAAAAAH9/fwAKAAAAHwAAAFQAAACzs7MA////AQAAAAAAAAAAAAAAAAAAAAAAAAAAAAAAAAAAAAAAAAAAAAAAAn9/fwCAgIADzMzMAMDA/wB/f38AAAAAAAAAAAAAAAAAAAAAAAAAAAAhAAAAGAAAABQAAAB8GgAANxEAAHUeAAD7EgAAEAAAACYAAAAIAAAA//////////8="/>
+                <pr:smNativeData xmlns:pr="smNativeData" val="SMDATA_13_8OOwYxMAAAAlAAAA2AAAAA8BAAAAkAAAAEgAAACQAAAASAAAAAAAAAAAAAAAAAAAAAEAAABQAAAAAAAAAAAA4D8AAAAAAADgPwAAAAAAAOA/AAAAAAAA4D8AAAAAAADgPwAAAAAAAOA/AAAAAAAA4D8AAAAAAADgPwAAAAAAAOA/AAAAAAAA4D8CAAAAjAAAAAEAAAAAAAAAs7OzAP///wgAAAAAAAAAAAAAAAAAAAAAAAAAAAAAAAAAAAAAZAAAAAEAAABAAAAAAAAAAAAAAAAAAAAAAAAAAAAAAAAAAAAAAAAAAAAAAAAAAAAAAAAAAAAAAAAAAAAAAAAAAAAAAAAAAAAAAAAAAAAAAAAAAAAAAAAAAAAAAAAAAAAAFAAAADwAAAABAAAAAAAAAAAAAAkUAAAAAQAAABQAAAAUAAAAFAAAAAEAAAAAAAAAZAAAAGQAAAAAAAAAZAAAAGQAAAAVAAAAYAAAAAAAAAAAAAAADwAAACADAAAAAAAAAAAAAAEAAACgMgAAVgcAAKr4//8BAAAAf39/AAEAAABkAAAAAAAAABQAAABAHwAAAAAAACYAAAAAAAAAwOD//wAAAAAmAAAAZAAAABYAAABMAAAAAAAAAAAAAAAEAAAAAAAAAAEAAACAgIAKAAAAACgAAAAoAAAAZAAAAGQAAAAAAAAAzMzMAAAAAABQAAAAUAAAAGQAAABkAAAAAAAAABcAAAAUAAAAAAAAAAAAAAD/fwAA/38AAAAAAAAJAAAABAAAAFNQSU4MAAAAEAAAAAAAAAAAAAAAAAAAAAAAAAAeAAAAaAAAAAAAAAAAAAAAAAAAAAAAAAAAAAAAECcAABAnAAAAAAAAAAAAAAAAAAAAAAAAAAAAAAAAAAAAAAAAAAAAABQAAAAAAAAAwMD/AAAAAABkAAAAMgAAAAAAAABkAAAAAAAAAH9/fwAKAAAAHwAAAFQAAACzs7MA////AQAAAAAAAAAAAAAAAAAAAAAAAAAAAAAAAAAAAAAAAAAAAAAAAn9/fwCAgIADzMzMAMDA/wB/f38AAAAAAAAAAAAAAAAAAAAAAAAAAAAhAAAAGAAAABQAAAB8GgAANxEAAHUeAAD7EgAAEAAAACYAAAAIAAAA//////////8="/>
               </a:ext>
             </a:extLst>
           </p:cNvSpPr>
@@ -4167,6 +4168,72 @@
           <a:effectLst/>
         </p:spPr>
       </p:sp>
+    </p:spTree>
+  </p:cSld>
+  <p:clrMapOvr>
+    <a:masterClrMapping/>
+  </p:clrMapOvr>
+  <p:timing>
+    <p:tnLst>
+      <p:par>
+        <p:cTn id="1" dur="indefinite" restart="never" nodeType="tmRoot"/>
+      </p:par>
+    </p:tnLst>
+  </p:timing>
+</p:sld>
+</file>
+
+<file path=ppt/slides/slide5.xml><?xml version="1.0" encoding="utf-8"?>
+<p:sld xmlns:p="http://schemas.openxmlformats.org/presentationml/2006/main" xmlns:p14="http://schemas.microsoft.com/office/powerpoint/2010/main" xmlns:r="http://schemas.openxmlformats.org/officeDocument/2006/relationships" xmlns:a="http://schemas.openxmlformats.org/drawingml/2006/main">
+  <p:cSld>
+    <p:spTree>
+      <p:nvGrpSpPr>
+        <p:cNvPr id="1" name=""/>
+        <p:cNvGrpSpPr/>
+        <p:nvPr/>
+      </p:nvGrpSpPr>
+      <p:grpSpPr>
+        <a:xfrm>
+          <a:off x="0" y="0"/>
+          <a:ext cx="0" cy="0"/>
+          <a:chOff x="0" y="0"/>
+          <a:chExt cx="0" cy="0"/>
+        </a:xfrm>
+      </p:grpSpPr>
+      <p:pic>
+        <p:nvPicPr>
+          <p:cNvPr id="2" name="Picture1"/>
+          <p:cNvPicPr>
+            <a:picLocks noChangeAspect="1"/>
+            <a:extLst>
+              <a:ext uri="smNativeData">
+                <pr:smNativeData xmlns:pr="smNativeData" val="SMDATA_15_8OOwYxMAAAAlAAAAEQAAAC8BAAAAkAAAAEgAAACQAAAASAAAAAAAAAAAAAAAAAAAAAEAAABQAAAAAAAAAAAA4D8AAAAAAADgPwAAAAAAAOA/AAAAAAAA4D8AAAAAAADgPwAAAAAAAOA/AAAAAAAA4D8AAAAAAADgPwAAAAAAAOA/AAAAAAAA4D8CAAAAjAAAAAAAAAAAAAAAu+DjDP///wgAAAAAAAAAAAAAAAAAAAAAAAAAAAAAAAAAAAAAZAAAAAEAAABAAAAAAAAAAAAAAAAAAAAAAAAAAAAAAAAAAAAAAAAAAAAAAAAAAAAAAAAAAAAAAAAAAAAAAAAAAAAAAAAAAAAAAAAAAAAAAAAAAAAAAAAAAAAAAAAAAAAAFAAAADwAAAAAAAAAAAAAAAAAAAkUAAAAAQAAABQAAAAUAAAAFAAAAAEAAAAAAAAAZAAAAGQAAAAAAAAAZAAAAGQAAAAVAAAAYAAAAAAAAAAAAAAADwAAACADAAAAAAAAAAAAAAEAAACgMgAAVgcAAKr4//8BAAAAf39/AAEAAABkAAAAAAAAABQAAABAHwAAAAAAACYAAAAAAAAAwOD//wAAAAAmAAAAZAAAABYAAABMAAAAAAAAAAAAAAAEAAAAAAAAAAEAAACAgIAKAAAAACgAAAAoAAAAZAAAAGQAAAAAAAAAzMzMAAAAAABQAAAAUAAAAGQAAABkAAAAAAAAAAcAAAA4AAAAAAAAAAAAAAAAAAAA////AAAAAAAAAAAAAAAAAAAAAAAAAAAAAAAAAAAAAABkAAAAZAAAAAAAAAAjAAAABAAAAGQAAAAXAAAAFAAAAAAAAAAAAAAA/38AAP9/AAAAAAAACQAAAAQAAAAAAAAADAAAABAAAAAAAAAAAAAAAAAAAAAAAAAAHgAAAGgAAAAAAAAAAAAAAAAAAAAAAAAAAAAAABAnAAAQJwAAAAAAAAAAAAAAAAAAAAAAAAAAAAAAAAAAAAAAAAAAAAAUAAAAAAAAAMDA/wAAAAAAZAAAADIAAAAAAAAAZAAAAAAAAAB/f38ACgAAAB8AAABUAAAAu+DjBf///wEAAAAAAAAAAAAAAAAAAAAAAAAAAAAAAAAAAAAAAAAAAAAAAAJ/f38AgICAA8zMzADAwP8Af39/AAAAAAAAAAAAAAAAAP///wAAAAAAIQAAABgAAAAUAAAAagQAAMYKAACWMgAAuBgAAAAAAAAmAAAACAAAAP//////////"/>
+              </a:ext>
+            </a:extLst>
+          </p:cNvPicPr>
+          <p:nvPr/>
+        </p:nvPicPr>
+        <p:blipFill>
+          <a:blip r:embed="rId2"/>
+          <a:stretch>
+            <a:fillRect/>
+          </a:stretch>
+        </p:blipFill>
+        <p:spPr>
+          <a:xfrm>
+            <a:off x="717550" y="1751330"/>
+            <a:ext cx="7505700" cy="2266950"/>
+          </a:xfrm>
+          <a:prstGeom prst="rect">
+            <a:avLst/>
+          </a:prstGeom>
+          <a:noFill/>
+          <a:ln>
+            <a:noFill/>
+          </a:ln>
+          <a:effectLst/>
+        </p:spPr>
+      </p:pic>
     </p:spTree>
   </p:cSld>
   <p:clrMapOvr>
@@ -5089,6 +5156,47 @@
       </a:clrScheme>
       <a:clrMap bg1="lt1" tx1="dk1" bg2="lt2" tx2="dk2" accent1="accent1" accent2="accent2" accent3="accent3" accent4="accent4" accent5="accent5" accent6="accent6" hlink="hlink" folHlink="folHlink"/>
     </a:extraClrScheme>
+    <a:extraClrScheme>
+      <a:clrScheme name="Presentation 17">
+        <a:dk1>
+          <a:srgbClr val="000000"/>
+        </a:dk1>
+        <a:lt1>
+          <a:srgbClr val="FFFFFF"/>
+        </a:lt1>
+        <a:dk2>
+          <a:srgbClr val="000000"/>
+        </a:dk2>
+        <a:lt2>
+          <a:srgbClr val="808080"/>
+        </a:lt2>
+        <a:accent1>
+          <a:srgbClr val="BBE0E3"/>
+        </a:accent1>
+        <a:accent2>
+          <a:srgbClr val="333399"/>
+        </a:accent2>
+        <a:accent3>
+          <a:srgbClr val="535379"/>
+        </a:accent3>
+        <a:accent4>
+          <a:srgbClr val="737359"/>
+        </a:accent4>
+        <a:accent5>
+          <a:srgbClr val="939339"/>
+        </a:accent5>
+        <a:accent6>
+          <a:srgbClr val="B3B319"/>
+        </a:accent6>
+        <a:hlink>
+          <a:srgbClr val="009999"/>
+        </a:hlink>
+        <a:folHlink>
+          <a:srgbClr val="99CC00"/>
+        </a:folHlink>
+      </a:clrScheme>
+      <a:clrMap bg1="lt1" tx1="dk1" bg2="lt2" tx2="dk2" accent1="accent1" accent2="accent2" accent3="accent3" accent4="accent4" accent5="accent5" accent6="accent6" hlink="hlink" folHlink="folHlink"/>
+    </a:extraClrScheme>
   </a:extraClrSchemeLst>
 </a:theme>
 </file>
--- a/images/WebFig.pptx
+++ b/images/WebFig.pptx
@@ -10,6 +10,7 @@
     <p:sldId id="258" r:id="rId8"/>
     <p:sldId id="259" r:id="rId9"/>
     <p:sldId id="260" r:id="rId10"/>
+    <p:sldId id="261" r:id="rId11"/>
   </p:sldIdLst>
   <p:sldSz cx="9144000" cy="6858000"/>
   <p:notesSz cx="6858000" cy="9144000"/>
@@ -240,7 +241,7 @@
             <a:spLocks noGrp="1" noChangeArrowheads="1"/>
             <a:extLst>
               <a:ext uri="smNativeData">
-                <pr:smNativeData xmlns:pr="smNativeData" val="SMDATA_13_8OOwYxMAAAAlAAAAZAAAAA8BAAAAkAAAAEgAAACQAAAASAAAAAAAAAABAAAAAAAAAAEAAABQAAAAAAAAAAAA4D8AAAAAAADgPwAAAAAAAOA/AAAAAAAA4D8AAAAAAADgPwAAAAAAAOA/AAAAAAAA4D8AAAAAAADgPwAAAAAAAOA/AAAAAAAA4D8CAAAAjAAAAAAAAAAAAAAAu+DjDP///wgAAAAAAAAAAAAAAAAAAAAAAAAAAAAAAAAAAAAAZAAAAAEAAABAAAAAAAAAAAAAAAAAAAAAAAAAAAAAAAAAAAAAAAAAAAAAAAAAAAAAAAAAAAAAAAAAAAAAAAAAAAAAAAAAAAAAAAAAAAAAAAAAAAAAAAAAAAAAAAAAAAAAFAAAADwAAAAAAAAAAAAAAAAAAAkUAAAAAQAAABQAAAAUAAAAFAAAAAEAAAAAAAAAZAAAAGQAAAAAAAAAZAAAAGQAAAAVAAAAYAAAAAAAAAAAAAAADwAAACADAAAAAAAAAAAAAAEAAACgMgAAVgcAAKr4//8BAAAAf39/AAEAAABkAAAAAAAAABQAAABAHwAAAAAAACYAAAAAAAAAwOD//wAAAAAmAAAAZAAAABYAAABMAAAAAAAAAAAAAAAEAAAAAAAAAAEAAACAgIAKAAAAACgAAAAoAAAAZAAAAGQAAAAAAAAAzMzMAAAAAABQAAAAUAAAAGQAAABkAAAAAAAAABcAAAAUAAAAAAAAAAAAAAD/fwAA/38AAAAAAAAJAAAABAAAAAAAAAAMAAAAEAAAAAAAAAAAAAAAAAAAAAAAAAAeAAAAaAAAAAAAAAAAAAAAAAAAAAAAAAAAAAAAECcAABAnAAAAAAAAAAAAAAAAAAAAAAAAAAAAAAAAAAAAAAAAAAAAABQAAAAAAAAAwMD/AAAAAABkAAAAMgAAAAAAAABkAAAAAAAAAH9/fwAKAAAAHwAAAFQAAAAAAAAFAAAAAQAAAAAAAAAAAAAAAAAAAAAAAAAAAAAAAAAAAAAAAAAAAAAAAn9/fwAAAAADzMzMAMDA/wB/f38AAAAAAAAAAAAAAAAAAAAAAAAAAAAhAAAAGAAAABQAAAA4BAAAGg0AAAg0AAAmFgAAEAAAACYAAAAIAAAAAQAAAAAAAAA="/>
+                <pr:smNativeData xmlns:pr="smNativeData" val="SMDATA_13_5C6yYxMAAAAlAAAAZAAAAA8BAAAAkAAAAEgAAACQAAAASAAAAAAAAAABAAAAAAAAAAEAAABQAAAAAAAAAAAA4D8AAAAAAADgPwAAAAAAAOA/AAAAAAAA4D8AAAAAAADgPwAAAAAAAOA/AAAAAAAA4D8AAAAAAADgPwAAAAAAAOA/AAAAAAAA4D8CAAAAjAAAAAAAAAAAAAAAu+DjDP///wgAAAAAAAAAAAAAAAAAAAAAAAAAAAAAAAAAAAAAZAAAAAEAAABAAAAAAAAAAAAAAAAAAAAAAAAAAAAAAAAAAAAAAAAAAAAAAAAAAAAAAAAAAAAAAAAAAAAAAAAAAAAAAAAAAAAAAAAAAAAAAAAAAAAAAAAAAAAAAAAAAAAAFAAAADwAAAAAAAAAAAAAAAAAAAkUAAAAAQAAABQAAAAUAAAAFAAAAAEAAAAAAAAAZAAAAGQAAAAAAAAAZAAAAGQAAAAVAAAAYAAAAAAAAAAAAAAADwAAACADAAAAAAAAAAAAAAEAAACgMgAAVgcAAKr4//8BAAAAf39/AAEAAABkAAAAAAAAABQAAABAHwAAAAAAACYAAAAAAAAAwOD//wAAAAAmAAAAZAAAABYAAABMAAAAAAAAAAAAAAAEAAAAAAAAAAEAAACAgIAKAAAAACgAAAAoAAAAZAAAAGQAAAAAAAAAzMzMAAAAAABQAAAAUAAAAGQAAABkAAAAAAAAABcAAAAUAAAAAAAAAAAAAAD/fwAA/38AAAAAAAAJAAAABAAAAAAAAAAMAAAAEAAAAAAAAAAAAAAAAAAAAAAAAAAeAAAAaAAAAAAAAAAAAAAAAAAAAAAAAAAAAAAAECcAABAnAAAAAAAAAAAAAAAAAAAAAAAAAAAAAAAAAAAAAAAAAAAAABQAAAAAAAAAwMD/AAAAAABkAAAAMgAAAAAAAABkAAAAAAAAAH9/fwAKAAAAHwAAAFQAAAAAAAAFAAAAAQAAAAAAAAAAAAAAAAAAAAAAAAAAAAAAAAAAAAAAAAAAAAAAAn9/fwAAAAADzMzMAMDA/wB/f38AAAAAAAAAAAAAAAAAAAAAAAAAAAAhAAAAGAAAABQAAAA4BAAAGg0AAAg0AAAmFgAAEAAAACYAAAAIAAAAAQAAAAAAAAA="/>
               </a:ext>
             </a:extLst>
           </p:cNvSpPr>
@@ -272,7 +273,7 @@
             <a:spLocks noGrp="1" noChangeArrowheads="1"/>
             <a:extLst>
               <a:ext uri="smNativeData">
-                <pr:smNativeData xmlns:pr="smNativeData" val="SMDATA_13_8OOwYxMAAAAlAAAAZAAAAA8BAAAAkAAAAEgAAACQAAAASAAAAAAAAAAAAAAAAAAAAAEAAABQAAAAAAAAAAAA4D8AAAAAAADgPwAAAAAAAOA/AAAAAAAA4D8AAAAAAADgPwAAAAAAAOA/AAAAAAAA4D8AAAAAAADgPwAAAAAAAOA/AAAAAAAA4D8CAAAAjAAAAAAAAAAAAAAAu+DjDP///wgAAAAAAAAAAAAAAAAAAAAAAAAAAAAAAAAAAAAAZAAAAAEAAABAAAAAAAAAAAAAAAAAAAAAAAAAAAAAAAAAAAAAAAAAAAAAAAAAAAAAAAAAAAAAAAAAAAAAAAAAAAAAAAAAAAAAAAAAAAAAAAAAAAAAAAAAAAAAAAAAAAAAFAAAADwAAAAAAAAAAAAAAAAAAAkUAAAAAQAAABQAAAAUAAAAFAAAAAEAAAAAAAAAZAAAAGQAAAAAAAAAZAAAAGQAAAAVAAAAYAAAAAAAAAAAAAAADwAAACADAAAAAAAAAAAAAAEAAACgMgAAVgcAAKr4//8BAAAAf39/AAEAAABkAAAAAAAAABQAAABAHwAAAAAAACYAAAAAAAAAwOD//wAAAAAmAAAAZAAAABYAAABMAAAAAAAAAAAAAAAEAAAAAAAAAAEAAACAgIAKAAAAACgAAAAoAAAAZAAAAGQAAAAAAAAAzMzMAAAAAABQAAAAUAAAAGQAAABkAAAAAAAAABcAAAAUAAAAAAAAAAAAAAD/fwAA/38AAAAAAAAJAAAABAAAAAAAAAAMAAAAEAAAAAAAAAAAAAAAAAAAAAAAAAAeAAAAaAAAAAAAAAAAAAAAAAAAAAAAAAAAAAAAECcAABAnAAAAAAAAAAAAAAAAAAAAAAAAAAAAAAAAAAAAAAAAAAAAABQAAAAAAAAAwMD/AAAAAABkAAAAMgAAAAAAAABkAAAAAAAAAH9/fwAKAAAAHwAAAFQAAAAAAAAFAAAAAQAAAAAAAAAAAAAAAAAAAAAAAAAAAAAAAAAAAAAAAAAAAAAAAn9/fwAAAAADzMzMAMDA/wB/f38AAAAAAAAAAAAAAAAAAAAAAAAAAAAhAAAAGAAAABQAAABwCAAA6BcAANAvAACwIgAAEAAAACYAAAAIAAAAAYAAAAAAAAA="/>
+                <pr:smNativeData xmlns:pr="smNativeData" val="SMDATA_13_5C6yYxMAAAAlAAAAZAAAAA8BAAAAkAAAAEgAAACQAAAASAAAAAAAAAAAAAAAAAAAAAEAAABQAAAAAAAAAAAA4D8AAAAAAADgPwAAAAAAAOA/AAAAAAAA4D8AAAAAAADgPwAAAAAAAOA/AAAAAAAA4D8AAAAAAADgPwAAAAAAAOA/AAAAAAAA4D8CAAAAjAAAAAAAAAAAAAAAu+DjDP///wgAAAAAAAAAAAAAAAAAAAAAAAAAAAAAAAAAAAAAZAAAAAEAAABAAAAAAAAAAAAAAAAAAAAAAAAAAAAAAAAAAAAAAAAAAAAAAAAAAAAAAAAAAAAAAAAAAAAAAAAAAAAAAAAAAAAAAAAAAAAAAAAAAAAAAAAAAAAAAAAAAAAAFAAAADwAAAAAAAAAAAAAAAAAAAkUAAAAAQAAABQAAAAUAAAAFAAAAAEAAAAAAAAAZAAAAGQAAAAAAAAAZAAAAGQAAAAVAAAAYAAAAAAAAAAAAAAADwAAACADAAAAAAAAAAAAAAEAAACgMgAAVgcAAKr4//8BAAAAf39/AAEAAABkAAAAAAAAABQAAABAHwAAAAAAACYAAAAAAAAAwOD//wAAAAAmAAAAZAAAABYAAABMAAAAAAAAAAAAAAAEAAAAAAAAAAEAAACAgIAKAAAAACgAAAAoAAAAZAAAAGQAAAAAAAAAzMzMAAAAAABQAAAAUAAAAGQAAABkAAAAAAAAABcAAAAUAAAAAAAAAAAAAAD/fwAA/38AAAAAAAAJAAAABAAAAAAAAAAMAAAAEAAAAAAAAAAAAAAAAAAAAAAAAAAeAAAAaAAAAAAAAAAAAAAAAAAAAAAAAAAAAAAAECcAABAnAAAAAAAAAAAAAAAAAAAAAAAAAAAAAAAAAAAAAAAAAAAAABQAAAAAAAAAwMD/AAAAAABkAAAAMgAAAAAAAABkAAAAAAAAAH9/fwAKAAAAHwAAAFQAAAAAAAAFAAAAAQAAAAAAAAAAAAAAAAAAAAAAAAAAAAAAAAAAAAAAAAAAAAAAAn9/fwAAAAADzMzMAMDA/wB/f38AAAAAAAAAAAAAAAAAAAAAAAAAAAAhAAAAGAAAABQAAABwCAAA6BcAANAvAACwIgAAEAAAACYAAAAIAAAAAYAAAAAAAAA="/>
               </a:ext>
             </a:extLst>
           </p:cNvSpPr>
@@ -332,7 +333,7 @@
             <a:spLocks noGrp="1" noChangeArrowheads="1"/>
             <a:extLst>
               <a:ext uri="smNativeData">
-                <pr:smNativeData xmlns:pr="smNativeData" val="SMDATA_13_8OOwYxMAAAAlAAAAZAAAAA8BAAAAkAAAAEgAAACQAAAASAAAAAAAAAABAAAAAAAAAAEAAABQAAAAAAAAAAAA4D8AAAAAAADgPwAAAAAAAOA/AAAAAAAA4D8AAAAAAADgPwAAAAAAAOA/AAAAAAAA4D8AAAAAAADgPwAAAAAAAOA/AAAAAAAA4D8CAAAAjAAAAAAAAAAAAAAAu+DjDP///wgAAAAAAAAAAAAAAAAAAAAAAAAAAAAAAAAAAAAAZAAAAAEAAABAAAAAAAAAAAAAAAAAAAAAAAAAAAAAAAAAAAAAAAAAAAAAAAAAAAAAAAAAAAAAAAAAAAAAAAAAAAAAAAAAAAAAAAAAAAAAAAAAAAAAAAAAAAAAAAAAAAAAFAAAADwAAAAAAAAAAAAAAAAAAAkUAAAAAQAAABQAAAAUAAAAFAAAAAEAAAAAAAAAZAAAAGQAAAAAAAAAZAAAAGQAAAAVAAAAYAAAAAAAAAAAAAAADwAAACADAAAAAAAAAAAAAAEAAACgMgAAVgcAAKr4//8BAAAAf39/AAEAAABkAAAAAAAAABQAAABAHwAAAAAAACYAAAAAAAAAwOD//wAAAAAmAAAAZAAAABYAAABMAAAAAAAAAAAAAAAEAAAAAAAAAAEAAACAgIAKAAAAACgAAAAoAAAAZAAAAGQAAAAAAAAAzMzMAAAAAABQAAAAUAAAAGQAAABkAAAAAAAAABcAAAAUAAAAAAAAAAAAAAD/fwAA/38AAAAAAAAJAAAABAAAAAAAAAAMAAAAEAAAAAAAAAAAAAAAAAAAAAAAAAAeAAAAaAAAAAAAAAAAAAAAAAAAAAAAAAAAAAAAECcAABAnAAAAAAAAAAAAAAAAAAAAAAAAAAAAAAAAAAAAAAAAAAAAABQAAAAAAAAAwMD/AAAAAABkAAAAMgAAAAAAAABkAAAAAAAAAH9/fwAKAAAAHwAAAFQAAAAAAAAFAAAAAQAAAAAAAAAAAAAAAAAAAAAAAAAAAAAAAAAAAAAAAAAAAAAAAn9/fwAAAAADzMzMAMDA/wB/f38AAAAAAAAAAAAAAAAAAAAAAAAAAAAhAAAAGAAAABQAAADQAgAAGycAAPAPAABZKQAAEAAAACYAAAAIAAAAAAAAAAAAAAA="/>
+                <pr:smNativeData xmlns:pr="smNativeData" val="SMDATA_13_5C6yYxMAAAAlAAAAZAAAAA8BAAAAkAAAAEgAAACQAAAASAAAAAAAAAABAAAAAAAAAAEAAABQAAAAAAAAAAAA4D8AAAAAAADgPwAAAAAAAOA/AAAAAAAA4D8AAAAAAADgPwAAAAAAAOA/AAAAAAAA4D8AAAAAAADgPwAAAAAAAOA/AAAAAAAA4D8CAAAAjAAAAAAAAAAAAAAAu+DjDP///wgAAAAAAAAAAAAAAAAAAAAAAAAAAAAAAAAAAAAAZAAAAAEAAABAAAAAAAAAAAAAAAAAAAAAAAAAAAAAAAAAAAAAAAAAAAAAAAAAAAAAAAAAAAAAAAAAAAAAAAAAAAAAAAAAAAAAAAAAAAAAAAAAAAAAAAAAAAAAAAAAAAAAFAAAADwAAAAAAAAAAAAAAAAAAAkUAAAAAQAAABQAAAAUAAAAFAAAAAEAAAAAAAAAZAAAAGQAAAAAAAAAZAAAAGQAAAAVAAAAYAAAAAAAAAAAAAAADwAAACADAAAAAAAAAAAAAAEAAACgMgAAVgcAAKr4//8BAAAAf39/AAEAAABkAAAAAAAAABQAAABAHwAAAAAAACYAAAAAAAAAwOD//wAAAAAmAAAAZAAAABYAAABMAAAAAAAAAAAAAAAEAAAAAAAAAAEAAACAgIAKAAAAACgAAAAoAAAAZAAAAGQAAAAAAAAAzMzMAAAAAABQAAAAUAAAAGQAAABkAAAAAAAAABcAAAAUAAAAAAAAAAAAAAD/fwAA/38AAAAAAAAJAAAABAAAAAAAAAAMAAAAEAAAAAAAAAAAAAAAAAAAAAAAAAAeAAAAaAAAAAAAAAAAAAAAAAAAAAAAAAAAAAAAECcAABAnAAAAAAAAAAAAAAAAAAAAAAAAAAAAAAAAAAAAAAAAAAAAABQAAAAAAAAAwMD/AAAAAABkAAAAMgAAAAAAAABkAAAAAAAAAH9/fwAKAAAAHwAAAFQAAAAAAAAFAAAAAQAAAAAAAAAAAAAAAAAAAAAAAAAAAAAAAAAAAAAAAAAAAAAAAn9/fwAAAAADzMzMAMDA/wB/f38AAAAAAAAAAAAAAAAAAAAAAAAAAAAhAAAAGAAAABQAAADQAgAAGycAAPAPAABZKQAAEAAAACYAAAAIAAAAAAAAAAAAAAA="/>
               </a:ext>
             </a:extLst>
           </p:cNvSpPr>
@@ -346,7 +347,7 @@
           <a:lstStyle/>
           <a:p>
             <a:pPr/>
-            <a:fld id="{0B3B1BAD-E3E6-6EED-A883-15B855CD5E40}" type="datetime1">
+            <a:fld id="{06343B2C-62EB-61CD-A58C-949875C253C1}" type="datetime1">
               <a:t/>
             </a:fld>
           </a:p>
@@ -359,7 +360,7 @@
             <a:spLocks noGrp="1" noChangeArrowheads="1"/>
             <a:extLst>
               <a:ext uri="smNativeData">
-                <pr:smNativeData xmlns:pr="smNativeData" val="SMDATA_13_8OOwYxMAAAAlAAAAZAAAAA8BAAAAkAAAAEgAAACQAAAASAAAAAAAAAABAAAAAAAAAAEAAABQAAAAAAAAAAAA4D8AAAAAAADgPwAAAAAAAOA/AAAAAAAA4D8AAAAAAADgPwAAAAAAAOA/AAAAAAAA4D8AAAAAAADgPwAAAAAAAOA/AAAAAAAA4D8CAAAAjAAAAAAAAAAAAAAAu+DjDP///wgAAAAAAAAAAAAAAAAAAAAAAAAAAAAAAAAAAAAAZAAAAAEAAABAAAAAAAAAAAAAAAAAAAAAAAAAAAAAAAAAAAAAAAAAAAAAAAAAAAAAAAAAAAAAAAAAAAAAAAAAAAAAAAAAAAAAAAAAAAAAAAAAAAAAAAAAAAAAAAAAAAAAFAAAADwAAAAAAAAAAAAAAAAAAAkUAAAAAQAAABQAAAAUAAAAFAAAAAEAAAAAAAAAZAAAAGQAAAAAAAAAZAAAAGQAAAAVAAAAYAAAAAAAAAAAAAAADwAAACADAAAAAAAAAAAAAAEAAACgMgAAVgcAAKr4//8BAAAAf39/AAEAAABkAAAAAAAAABQAAABAHwAAAAAAACYAAAAAAAAAwOD//wAAAAAmAAAAZAAAABYAAABMAAAAAAAAAAAAAAAEAAAAAAAAAAEAAACAgIAKAAAAACgAAAAoAAAAZAAAAGQAAAAAAAAAzMzMAAAAAABQAAAAUAAAAGQAAABkAAAAAAAAABcAAAAUAAAAAAAAAAAAAAD/fwAA/38AAAAAAAAJAAAABAAAAElJSf8MAAAAEAAAAAAAAAAAAAAAAAAAAAAAAAAeAAAAaAAAAAAAAAAAAAAAAAAAAAAAAAAAAAAAECcAABAnAAAAAAAAAAAAAAAAAAAAAAAAAAAAAAAAAAAAAAAAAAAAABQAAAAAAAAAwMD/AAAAAABkAAAAMgAAAAAAAABkAAAAAAAAAH9/fwAKAAAAHwAAAFQAAAAAAAAFAAAAAQAAAAAAAAAAAAAAAAAAAAAAAAAAAAAAAAAAAAAAAAAAAAAAAn9/fwAAAAADzMzMAMDA/wB/f38AAAAAAAAAAAAAAAAAAAAAAAAAAAAhAAAAGAAAABQAAAA4EwAAGycAAAglAABZKQAAEAAAACYAAAAIAAAAAAAAAAAAAAA="/>
+                <pr:smNativeData xmlns:pr="smNativeData" val="SMDATA_13_5C6yYxMAAAAlAAAAZAAAAA8BAAAAkAAAAEgAAACQAAAASAAAAAAAAAABAAAAAAAAAAEAAABQAAAAAAAAAAAA4D8AAAAAAADgPwAAAAAAAOA/AAAAAAAA4D8AAAAAAADgPwAAAAAAAOA/AAAAAAAA4D8AAAAAAADgPwAAAAAAAOA/AAAAAAAA4D8CAAAAjAAAAAAAAAAAAAAAu+DjDP///wgAAAAAAAAAAAAAAAAAAAAAAAAAAAAAAAAAAAAAZAAAAAEAAABAAAAAAAAAAAAAAAAAAAAAAAAAAAAAAAAAAAAAAAAAAAAAAAAAAAAAAAAAAAAAAAAAAAAAAAAAAAAAAAAAAAAAAAAAAAAAAAAAAAAAAAAAAAAAAAAAAAAAFAAAADwAAAAAAAAAAAAAAAAAAAkUAAAAAQAAABQAAAAUAAAAFAAAAAEAAAAAAAAAZAAAAGQAAAAAAAAAZAAAAGQAAAAVAAAAYAAAAAAAAAAAAAAADwAAACADAAAAAAAAAAAAAAEAAACgMgAAVgcAAKr4//8BAAAAf39/AAEAAABkAAAAAAAAABQAAABAHwAAAAAAACYAAAAAAAAAwOD//wAAAAAmAAAAZAAAABYAAABMAAAAAAAAAAAAAAAEAAAAAAAAAAEAAACAgIAKAAAAACgAAAAoAAAAZAAAAGQAAAAAAAAAzMzMAAAAAABQAAAAUAAAAGQAAABkAAAAAAAAABcAAAAUAAAAAAAAAAAAAAD/fwAA/38AAAAAAAAJAAAABAAAAElJSf8MAAAAEAAAAAAAAAAAAAAAAAAAAAAAAAAeAAAAaAAAAAAAAAAAAAAAAAAAAAAAAAAAAAAAECcAABAnAAAAAAAAAAAAAAAAAAAAAAAAAAAAAAAAAAAAAAAAAAAAABQAAAAAAAAAwMD/AAAAAABkAAAAMgAAAAAAAABkAAAAAAAAAH9/fwAKAAAAHwAAAFQAAAAAAAAFAAAAAQAAAAAAAAAAAAAAAAAAAAAAAAAAAAAAAAAAAAAAAAAAAAAAAn9/fwAAAAADzMzMAMDA/wB/f38AAAAAAAAAAAAAAAAAAAAAAAAAAAAhAAAAGAAAABQAAAA4EwAAGycAAAglAABZKQAAEAAAACYAAAAIAAAAAAAAAAAAAAA="/>
               </a:ext>
             </a:extLst>
           </p:cNvSpPr>
@@ -383,7 +384,7 @@
             <a:spLocks noGrp="1" noChangeArrowheads="1"/>
             <a:extLst>
               <a:ext uri="smNativeData">
-                <pr:smNativeData xmlns:pr="smNativeData" val="SMDATA_13_8OOwYxMAAAAlAAAAZAAAAA8BAAAAkAAAAEgAAACQAAAASAAAAAAAAAABAAAAAAAAAAEAAABQAAAAAAAAAAAA4D8AAAAAAADgPwAAAAAAAOA/AAAAAAAA4D8AAAAAAADgPwAAAAAAAOA/AAAAAAAA4D8AAAAAAADgPwAAAAAAAOA/AAAAAAAA4D8CAAAAjAAAAAAAAAAAAAAAu+DjDP///wgAAAAAAAAAAAAAAAAAAAAAAAAAAAAAAAAAAAAAZAAAAAEAAABAAAAAAAAAAAAAAAAAAAAAAAAAAAAAAAAAAAAAAAAAAAAAAAAAAAAAAAAAAAAAAAAAAAAAAAAAAAAAAAAAAAAAAAAAAAAAAAAAAAAAAAAAAAAAAAAAAAAAFAAAADwAAAAAAAAAAAAAAAAAAAkUAAAAAQAAABQAAAAUAAAAFAAAAAEAAAAAAAAAZAAAAGQAAAAAAAAAZAAAAGQAAAAVAAAAYAAAAAAAAAAAAAAADwAAACADAAAAAAAAAAAAAAEAAACgMgAAVgcAAKr4//8BAAAAf39/AAEAAABkAAAAAAAAABQAAABAHwAAAAAAACYAAAAAAAAAwOD//wAAAAAmAAAAZAAAABYAAABMAAAAAAAAAAAAAAAEAAAAAAAAAAEAAACAgIAKAAAAACgAAAAoAAAAZAAAAGQAAAAAAAAAzMzMAAAAAABQAAAAUAAAAGQAAABkAAAAAAAAABcAAAAUAAAAAAAAAAAAAAD/fwAA/38AAAAAAAAJAAAABAAAAAAAAAAMAAAAEAAAAAAAAAAAAAAAAAAAAAAAAAAeAAAAaAAAAAAAAAAAAAAAAAAAAAAAAAAAAAAAECcAABAnAAAAAAAAAAAAAAAAAAAAAAAAAAAAAAAAAAAAAAAAAAAAABQAAAAAAAAAwMD/AAAAAABkAAAAMgAAAAAAAABkAAAAAAAAAH9/fwAKAAAAHwAAAFQAAAAAAAAFAAAAAQAAAAAAAAAAAAAAAAAAAAAAAAAAAAAAAAAAAAAAAAAAAAAAAn9/fwAAAAADzMzMAMDA/wB/f38AAAAAAAAAAAAAAAAAAAAAAAAAAAAhAAAAGAAAABQAAABQKAAAGycAAHA1AABZKQAAEAAAACYAAAAIAAAAAAAAAAAAAAA="/>
+                <pr:smNativeData xmlns:pr="smNativeData" val="SMDATA_13_5C6yYxMAAAAlAAAAZAAAAA8BAAAAkAAAAEgAAACQAAAASAAAAAAAAAABAAAAAAAAAAEAAABQAAAAAAAAAAAA4D8AAAAAAADgPwAAAAAAAOA/AAAAAAAA4D8AAAAAAADgPwAAAAAAAOA/AAAAAAAA4D8AAAAAAADgPwAAAAAAAOA/AAAAAAAA4D8CAAAAjAAAAAAAAAAAAAAAu+DjDP///wgAAAAAAAAAAAAAAAAAAAAAAAAAAAAAAAAAAAAAZAAAAAEAAABAAAAAAAAAAAAAAAAAAAAAAAAAAAAAAAAAAAAAAAAAAAAAAAAAAAAAAAAAAAAAAAAAAAAAAAAAAAAAAAAAAAAAAAAAAAAAAAAAAAAAAAAAAAAAAAAAAAAAFAAAADwAAAAAAAAAAAAAAAAAAAkUAAAAAQAAABQAAAAUAAAAFAAAAAEAAAAAAAAAZAAAAGQAAAAAAAAAZAAAAGQAAAAVAAAAYAAAAAAAAAAAAAAADwAAACADAAAAAAAAAAAAAAEAAACgMgAAVgcAAKr4//8BAAAAf39/AAEAAABkAAAAAAAAABQAAABAHwAAAAAAACYAAAAAAAAAwOD//wAAAAAmAAAAZAAAABYAAABMAAAAAAAAAAAAAAAEAAAAAAAAAAEAAACAgIAKAAAAACgAAAAoAAAAZAAAAGQAAAAAAAAAzMzMAAAAAABQAAAAUAAAAGQAAABkAAAAAAAAABcAAAAUAAAAAAAAAAAAAAD/fwAA/38AAAAAAAAJAAAABAAAAAAAAAAMAAAAEAAAAAAAAAAAAAAAAAAAAAAAAAAeAAAAaAAAAAAAAAAAAAAAAAAAAAAAAAAAAAAAECcAABAnAAAAAAAAAAAAAAAAAAAAAAAAAAAAAAAAAAAAAAAAAAAAABQAAAAAAAAAwMD/AAAAAABkAAAAMgAAAAAAAABkAAAAAAAAAH9/fwAKAAAAHwAAAFQAAAAAAAAFAAAAAQAAAAAAAAAAAAAAAAAAAAAAAAAAAAAAAAAAAAAAAAAAAAAAAn9/fwAAAAADzMzMAMDA/wB/f38AAAAAAAAAAAAAAAAAAAAAAAAAAAAhAAAAGAAAABQAAABQKAAAGycAAHA1AABZKQAAEAAAACYAAAAIAAAAAAAAAAAAAAA="/>
               </a:ext>
             </a:extLst>
           </p:cNvSpPr>
@@ -397,7 +398,7 @@
           <a:lstStyle/>
           <a:p>
             <a:pPr/>
-            <a:fld id="{0B3B57AD-E3E6-6EA1-A883-15F419CD5E40}" type="slidenum">
+            <a:fld id="{063471AC-E2EB-6187-A58C-14D23FC25341}" type="slidenum">
               <a:t/>
             </a:fld>
           </a:p>
@@ -435,7 +436,7 @@
             <a:spLocks noGrp="1" noChangeArrowheads="1"/>
             <a:extLst>
               <a:ext uri="smNativeData">
-                <pr:smNativeData xmlns:pr="smNativeData" val="SMDATA_13_8OOwYxMAAAAlAAAAZAAAAA8BAAAAkAAAAEgAAACQAAAASAAAAAAAAAABAAAAAAAAAAEAAABQAAAAAAAAAAAA4D8AAAAAAADgPwAAAAAAAOA/AAAAAAAA4D8AAAAAAADgPwAAAAAAAOA/AAAAAAAA4D8AAAAAAADgPwAAAAAAAOA/AAAAAAAA4D8CAAAAjAAAAAAAAAAAAAAAu+DjDP///wgAAAAAAAAAAAAAAAAAAAAAAAAAAAAAAAAAAAAAZAAAAAEAAABAAAAAAAAAAAAAAAAAAAAAAAAAAAAAAAAAAAAAAAAAAAAAAAAAAAAAAAAAAAAAAAAAAAAAAAAAAAAAAAAAAAAAAAAAAAAAAAAAAAAAAAAAAAAAAAAAAAAAFAAAADwAAAAAAAAAAAAAAAAAAAkUAAAAAQAAABQAAAAUAAAAFAAAAAEAAAAAAAAAZAAAAGQAAAAAAAAAZAAAAGQAAAAVAAAAYAAAAAAAAAAAAAAADwAAACADAAAAAAAAAAAAAAEAAACgMgAAVgcAAKr4//8BAAAAf39/AAEAAABkAAAAAAAAABQAAABAHwAAAAAAACYAAAAAAAAAwOD//wAAAAAmAAAAZAAAABYAAABMAAAAAAAAAAAAAAAEAAAAAAAAAAEAAACAgIAKAAAAACgAAAAoAAAAZAAAAGQAAAAAAAAAzMzMAAAAAABQAAAAUAAAAGQAAABkAAAAAAAAABcAAAAUAAAAAAAAAAAAAAD/fwAA/38AAAAAAAAJAAAABAAAAAAAAAAMAAAAEAAAAAAAAAAAAAAAAAAAAAAAAAAeAAAAaAAAAAAAAAAAAAAAAAAAAAAAAAAAAAAAECcAABAnAAAAAAAAAAAAAAAAAAAAAAAAAAAAAAAAAAAAAAAAAAAAABQAAAAAAAAAwMD/AAAAAABkAAAAMgAAAAAAAABkAAAAAAAAAH9/fwAKAAAAHwAAAFQAAAAAAAAFAAAAAQAAAAAAAAAAAAAAAAAAAAAAAAAAAAAAAAAAAAAAAAAAAAAAAn9/fwAAAAADzMzMAMDA/wB/f38AAAAAAAAAAAAAAAAAAAAAAAAAAAAhAAAAGAAAABQAAADQAgAAsAEAAHA1AAC4CAAAEAAAACYAAAAIAAAAAAAAAAAAAAA="/>
+                <pr:smNativeData xmlns:pr="smNativeData" val="SMDATA_13_5C6yYxMAAAAlAAAAZAAAAA8BAAAAkAAAAEgAAACQAAAASAAAAAAAAAABAAAAAAAAAAEAAABQAAAAAAAAAAAA4D8AAAAAAADgPwAAAAAAAOA/AAAAAAAA4D8AAAAAAADgPwAAAAAAAOA/AAAAAAAA4D8AAAAAAADgPwAAAAAAAOA/AAAAAAAA4D8CAAAAjAAAAAAAAAAAAAAAu+DjDP///wgAAAAAAAAAAAAAAAAAAAAAAAAAAAAAAAAAAAAAZAAAAAEAAABAAAAAAAAAAAAAAAAAAAAAAAAAAAAAAAAAAAAAAAAAAAAAAAAAAAAAAAAAAAAAAAAAAAAAAAAAAAAAAAAAAAAAAAAAAAAAAAAAAAAAAAAAAAAAAAAAAAAAFAAAADwAAAAAAAAAAAAAAAAAAAkUAAAAAQAAABQAAAAUAAAAFAAAAAEAAAAAAAAAZAAAAGQAAAAAAAAAZAAAAGQAAAAVAAAAYAAAAAAAAAAAAAAADwAAACADAAAAAAAAAAAAAAEAAACgMgAAVgcAAKr4//8BAAAAf39/AAEAAABkAAAAAAAAABQAAABAHwAAAAAAACYAAAAAAAAAwOD//wAAAAAmAAAAZAAAABYAAABMAAAAAAAAAAAAAAAEAAAAAAAAAAEAAACAgIAKAAAAACgAAAAoAAAAZAAAAGQAAAAAAAAAzMzMAAAAAABQAAAAUAAAAGQAAABkAAAAAAAAABcAAAAUAAAAAAAAAAAAAAD/fwAA/38AAAAAAAAJAAAABAAAAAAAAAAMAAAAEAAAAAAAAAAAAAAAAAAAAAAAAAAeAAAAaAAAAAAAAAAAAAAAAAAAAAAAAAAAAAAAECcAABAnAAAAAAAAAAAAAAAAAAAAAAAAAAAAAAAAAAAAAAAAAAAAABQAAAAAAAAAwMD/AAAAAABkAAAAMgAAAAAAAABkAAAAAAAAAH9/fwAKAAAAHwAAAFQAAAAAAAAFAAAAAQAAAAAAAAAAAAAAAAAAAAAAAAAAAAAAAAAAAAAAAAAAAAAAAn9/fwAAAAADzMzMAMDA/wB/f38AAAAAAAAAAAAAAAAAAAAAAAAAAAAhAAAAGAAAABQAAADQAgAAsAEAAHA1AAC4CAAAEAAAACYAAAAIAAAAAAAAAAAAAAA="/>
               </a:ext>
             </a:extLst>
           </p:cNvSpPr>
@@ -462,7 +463,7 @@
             <a:spLocks noGrp="1" noChangeArrowheads="1"/>
             <a:extLst>
               <a:ext uri="smNativeData">
-                <pr:smNativeData xmlns:pr="smNativeData" val="SMDATA_13_8OOwYxMAAAAlAAAAZAAAAA8BAAAAkAAAAEgAAACQAAAASAAAAAAAAAAAAAAAAQAAAAEAAABQAAAAAAAAAAAA4D8AAAAAAADgPwAAAAAAAOA/AAAAAAAA4D8AAAAAAADgPwAAAAAAAOA/AAAAAAAA4D8AAAAAAADgPwAAAAAAAOA/AAAAAAAA4D8CAAAAjAAAAAAAAAAAAAAAu+DjDP///wgAAAAAAAAAAAAAAAAAAAAAAAAAAAAAAAAAAAAAZAAAAAEAAABAAAAAAAAAAAAAAAAAAAAAAAAAAAAAAAAAAAAAAAAAAAAAAAAAAAAAAAAAAAAAAAAAAAAAAAAAAAAAAAAAAAAAAAAAAAAAAAAAAAAAAAAAAAAAAAAAAAAAFAAAADwAAAAAAAAAAAAAAAAAAAkUAAAAAQAAABQAAAAUAAAAFAAAAAEAAAAAAAAAZAAAAGQAAAAAAAAAZAAAAGQAAAAVAAAAYAAAAAAAAAAAAAAADwAAACADAAAAAAAAAAAAAAEAAACgMgAAVgcAAKr4//8BAAAAf39/AAEAAABkAAAAAAAAABQAAABAHwAAAAAAACYAAAAAAAAAwOD//wAAAAAmAAAAZAAAABYAAABMAAAAAAAAAAAAAAAEAAAAAAAAAAEAAACAgIAKAAAAACgAAAAoAAAAZAAAAGQAAAAAAAAAzMzMAAAAAABQAAAAUAAAAGQAAABkAAAAAAAAABcAAAAUAAAAAAAAAAAAAAD/fwAA/38AAAAAAAAJAAAABAAAAAAAAAAMAAAAEAAAAAAAAAAAAAAAAAAAAAAAAAAeAAAAaAAAAAAAAAAAAAAAAAAAAAAAAAAAAAAAECcAABAnAAAAAAAAAAAAAAAAAAAAAAAAAAAAAAAAAAAAAAAAAAAAABQAAAAAAAAAwMD/AAAAAABkAAAAMgAAAAAAAABkAAAAAAAAAH9/fwAKAAAAHwAAAFQAAAAAAAAFAAAAAQAAAAAAAAAAAAAAAAAAAAAAAAAAAAAAAAAAAAAAAAAAAAAAAn9/fwAAAAADzMzMAMDA/wB/f38AAAAAAAAAAAAAAAAAAAAAAAAAAAAhAAAAGAAAABQAAADQAgAA2AkAAHA1AACwJQAAEAAAACYAAAAIAAAAAgAAAAAAAAA="/>
+                <pr:smNativeData xmlns:pr="smNativeData" val="SMDATA_13_5C6yYxMAAAAlAAAAZAAAAA8BAAAAkAAAAEgAAACQAAAASAAAAAAAAAAAAAAAAQAAAAEAAABQAAAAAAAAAAAA4D8AAAAAAADgPwAAAAAAAOA/AAAAAAAA4D8AAAAAAADgPwAAAAAAAOA/AAAAAAAA4D8AAAAAAADgPwAAAAAAAOA/AAAAAAAA4D8CAAAAjAAAAAAAAAAAAAAAu+DjDP///wgAAAAAAAAAAAAAAAAAAAAAAAAAAAAAAAAAAAAAZAAAAAEAAABAAAAAAAAAAAAAAAAAAAAAAAAAAAAAAAAAAAAAAAAAAAAAAAAAAAAAAAAAAAAAAAAAAAAAAAAAAAAAAAAAAAAAAAAAAAAAAAAAAAAAAAAAAAAAAAAAAAAAFAAAADwAAAAAAAAAAAAAAAAAAAkUAAAAAQAAABQAAAAUAAAAFAAAAAEAAAAAAAAAZAAAAGQAAAAAAAAAZAAAAGQAAAAVAAAAYAAAAAAAAAAAAAAADwAAACADAAAAAAAAAAAAAAEAAACgMgAAVgcAAKr4//8BAAAAf39/AAEAAABkAAAAAAAAABQAAABAHwAAAAAAACYAAAAAAAAAwOD//wAAAAAmAAAAZAAAABYAAABMAAAAAAAAAAAAAAAEAAAAAAAAAAEAAACAgIAKAAAAACgAAAAoAAAAZAAAAGQAAAAAAAAAzMzMAAAAAABQAAAAUAAAAGQAAABkAAAAAAAAABcAAAAUAAAAAAAAAAAAAAD/fwAA/38AAAAAAAAJAAAABAAAAAAAAAAMAAAAEAAAAAAAAAAAAAAAAAAAAAAAAAAeAAAAaAAAAAAAAAAAAAAAAAAAAAAAAAAAAAAAECcAABAnAAAAAAAAAAAAAAAAAAAAAAAAAAAAAAAAAAAAAAAAAAAAABQAAAAAAAAAwMD/AAAAAABkAAAAMgAAAAAAAABkAAAAAAAAAH9/fwAKAAAAHwAAAFQAAAAAAAAFAAAAAQAAAAAAAAAAAAAAAAAAAAAAAAAAAAAAAAAAAAAAAAAAAAAAAn9/fwAAAAADzMzMAMDA/wB/f38AAAAAAAAAAAAAAAAAAAAAAAAAAAAhAAAAGAAAABQAAADQAgAA2AkAAHA1AACwJQAAEAAAACYAAAAIAAAAAgAAAAAAAAA="/>
               </a:ext>
             </a:extLst>
           </p:cNvSpPr>
@@ -517,7 +518,7 @@
             <a:spLocks noGrp="1" noChangeArrowheads="1"/>
             <a:extLst>
               <a:ext uri="smNativeData">
-                <pr:smNativeData xmlns:pr="smNativeData" val="SMDATA_13_8OOwYxMAAAAlAAAAZAAAAA8BAAAAkAAAAEgAAACQAAAASAAAAAAAAAABAAAAAAAAAAEAAABQAAAAAAAAAAAA4D8AAAAAAADgPwAAAAAAAOA/AAAAAAAA4D8AAAAAAADgPwAAAAAAAOA/AAAAAAAA4D8AAAAAAADgPwAAAAAAAOA/AAAAAAAA4D8CAAAAjAAAAAAAAAAAAAAAu+DjDP///wgAAAAAAAAAAAAAAAAAAAAAAAAAAAAAAAAAAAAAZAAAAAEAAABAAAAAAAAAAAAAAAAAAAAAAAAAAAAAAAAAAAAAAAAAAAAAAAAAAAAAAAAAAAAAAAAAAAAAAAAAAAAAAAAAAAAAAAAAAAAAAAAAAAAAAAAAAAAAAAAAAAAAFAAAADwAAAAAAAAAAAAAAAAAAAkUAAAAAQAAABQAAAAUAAAAFAAAAAEAAAAAAAAAZAAAAGQAAAAAAAAAZAAAAGQAAAAVAAAAYAAAAAAAAAAAAAAADwAAACADAAAAAAAAAAAAAAEAAACgMgAAVgcAAKr4//8BAAAAf39/AAEAAABkAAAAAAAAABQAAABAHwAAAAAAACYAAAAAAAAAwOD//wAAAAAmAAAAZAAAABYAAABMAAAAAAAAAAAAAAAEAAAAAAAAAAEAAACAgIAKAAAAACgAAAAoAAAAZAAAAGQAAAAAAAAAzMzMAAAAAABQAAAAUAAAAGQAAABkAAAAAAAAABcAAAAUAAAAAAAAAAAAAAD/fwAA/38AAAAAAAAJAAAABAAAAAAAAAAMAAAAEAAAAAAAAAAAAAAAAAAAAAAAAAAeAAAAaAAAAAAAAAAAAAAAAAAAAAAAAAAAAAAAECcAABAnAAAAAAAAAAAAAAAAAAAAAAAAAAAAAAAAAAAAAAAAAAAAABQAAAAAAAAAwMD/AAAAAABkAAAAMgAAAAAAAABkAAAAAAAAAH9/fwAKAAAAHwAAAFQAAAAAAAAFAAAAAQAAAAAAAAAAAAAAAAAAAAAAAAAAAAAAAAAAAAAAAAAAAAAAAn9/fwAAAAADzMzMAMDA/wB/f38AAAAAAAAAAAAAAAAAAAAAAAAAAAAhAAAAGAAAABQAAADQAgAAGycAAPAPAABZKQAAEAAAACYAAAAIAAAAAAAAAAAAAAA="/>
+                <pr:smNativeData xmlns:pr="smNativeData" val="SMDATA_13_5C6yYxMAAAAlAAAAZAAAAA8BAAAAkAAAAEgAAACQAAAASAAAAAAAAAABAAAAAAAAAAEAAABQAAAAAAAAAAAA4D8AAAAAAADgPwAAAAAAAOA/AAAAAAAA4D8AAAAAAADgPwAAAAAAAOA/AAAAAAAA4D8AAAAAAADgPwAAAAAAAOA/AAAAAAAA4D8CAAAAjAAAAAAAAAAAAAAAu+DjDP///wgAAAAAAAAAAAAAAAAAAAAAAAAAAAAAAAAAAAAAZAAAAAEAAABAAAAAAAAAAAAAAAAAAAAAAAAAAAAAAAAAAAAAAAAAAAAAAAAAAAAAAAAAAAAAAAAAAAAAAAAAAAAAAAAAAAAAAAAAAAAAAAAAAAAAAAAAAAAAAAAAAAAAFAAAADwAAAAAAAAAAAAAAAAAAAkUAAAAAQAAABQAAAAUAAAAFAAAAAEAAAAAAAAAZAAAAGQAAAAAAAAAZAAAAGQAAAAVAAAAYAAAAAAAAAAAAAAADwAAACADAAAAAAAAAAAAAAEAAACgMgAAVgcAAKr4//8BAAAAf39/AAEAAABkAAAAAAAAABQAAABAHwAAAAAAACYAAAAAAAAAwOD//wAAAAAmAAAAZAAAABYAAABMAAAAAAAAAAAAAAAEAAAAAAAAAAEAAACAgIAKAAAAACgAAAAoAAAAZAAAAGQAAAAAAAAAzMzMAAAAAABQAAAAUAAAAGQAAABkAAAAAAAAABcAAAAUAAAAAAAAAAAAAAD/fwAA/38AAAAAAAAJAAAABAAAAAAAAAAMAAAAEAAAAAAAAAAAAAAAAAAAAAAAAAAeAAAAaAAAAAAAAAAAAAAAAAAAAAAAAAAAAAAAECcAABAnAAAAAAAAAAAAAAAAAAAAAAAAAAAAAAAAAAAAAAAAAAAAABQAAAAAAAAAwMD/AAAAAABkAAAAMgAAAAAAAABkAAAAAAAAAH9/fwAKAAAAHwAAAFQAAAAAAAAFAAAAAQAAAAAAAAAAAAAAAAAAAAAAAAAAAAAAAAAAAAAAAAAAAAAAAn9/fwAAAAADzMzMAMDA/wB/f38AAAAAAAAAAAAAAAAAAAAAAAAAAAAhAAAAGAAAABQAAADQAgAAGycAAPAPAABZKQAAEAAAACYAAAAIAAAAAAAAAAAAAAA="/>
               </a:ext>
             </a:extLst>
           </p:cNvSpPr>
@@ -531,7 +532,7 @@
           <a:lstStyle/>
           <a:p>
             <a:pPr/>
-            <a:fld id="{0B3B23F9-B7E6-6ED5-A883-41806DCD5E14}" type="datetime1">
+            <a:fld id="{06346DFC-B2EB-619B-A58C-44CE23C25311}" type="datetime1">
               <a:t/>
             </a:fld>
           </a:p>
@@ -544,7 +545,7 @@
             <a:spLocks noGrp="1" noChangeArrowheads="1"/>
             <a:extLst>
               <a:ext uri="smNativeData">
-                <pr:smNativeData xmlns:pr="smNativeData" val="SMDATA_13_8OOwYxMAAAAlAAAAZAAAAA8BAAAAkAAAAEgAAACQAAAASAAAAAAAAAABAAAAAAAAAAEAAABQAAAAAAAAAAAA4D8AAAAAAADgPwAAAAAAAOA/AAAAAAAA4D8AAAAAAADgPwAAAAAAAOA/AAAAAAAA4D8AAAAAAADgPwAAAAAAAOA/AAAAAAAA4D8CAAAAjAAAAAAAAAAAAAAAu+DjDP///wgAAAAAAAAAAAAAAAAAAAAAAAAAAAAAAAAAAAAAZAAAAAEAAABAAAAAAAAAAAAAAAAAAAAAAAAAAAAAAAAAAAAAAAAAAAAAAAAAAAAAAAAAAAAAAAAAAAAAAAAAAAAAAAAAAAAAAAAAAAAAAAAAAAAAAAAAAAAAAAAAAAAAFAAAADwAAAAAAAAAAAAAAAAAAAkUAAAAAQAAABQAAAAUAAAAFAAAAAEAAAAAAAAAZAAAAGQAAAAAAAAAZAAAAGQAAAAVAAAAYAAAAAAAAAAAAAAADwAAACADAAAAAAAAAAAAAAEAAACgMgAAVgcAAKr4//8BAAAAf39/AAEAAABkAAAAAAAAABQAAABAHwAAAAAAACYAAAAAAAAAwOD//wAAAAAmAAAAZAAAABYAAABMAAAAAAAAAAAAAAAEAAAAAAAAAAEAAACAgIAKAAAAACgAAAAoAAAAZAAAAGQAAAAAAAAAzMzMAAAAAABQAAAAUAAAAGQAAABkAAAAAAAAABcAAAAUAAAAAAAAAAAAAAD/fwAA/38AAAAAAAAJAAAABAAAAAAAAAAMAAAAEAAAAAAAAAAAAAAAAAAAAAAAAAAeAAAAaAAAAAAAAAAAAAAAAAAAAAAAAAAAAAAAECcAABAnAAAAAAAAAAAAAAAAAAAAAAAAAAAAAAAAAAAAAAAAAAAAABQAAAAAAAAAwMD/AAAAAABkAAAAMgAAAAAAAABkAAAAAAAAAH9/fwAKAAAAHwAAAFQAAAAAAAAFAAAAAQAAAAAAAAAAAAAAAAAAAAAAAAAAAAAAAAAAAAAAAAAAAAAAAn9/fwAAAAADzMzMAMDA/wB/f38AAAAAAAAAAAAAAAAAAAAAAAAAAAAhAAAAGAAAABQAAAA4EwAAGycAAAglAABZKQAAEAAAACYAAAAIAAAAAAAAAAAAAAA="/>
+                <pr:smNativeData xmlns:pr="smNativeData" val="SMDATA_13_5C6yYxMAAAAlAAAAZAAAAA8BAAAAkAAAAEgAAACQAAAASAAAAAAAAAABAAAAAAAAAAEAAABQAAAAAAAAAAAA4D8AAAAAAADgPwAAAAAAAOA/AAAAAAAA4D8AAAAAAADgPwAAAAAAAOA/AAAAAAAA4D8AAAAAAADgPwAAAAAAAOA/AAAAAAAA4D8CAAAAjAAAAAAAAAAAAAAAu+DjDP///wgAAAAAAAAAAAAAAAAAAAAAAAAAAAAAAAAAAAAAZAAAAAEAAABAAAAAAAAAAAAAAAAAAAAAAAAAAAAAAAAAAAAAAAAAAAAAAAAAAAAAAAAAAAAAAAAAAAAAAAAAAAAAAAAAAAAAAAAAAAAAAAAAAAAAAAAAAAAAAAAAAAAAFAAAADwAAAAAAAAAAAAAAAAAAAkUAAAAAQAAABQAAAAUAAAAFAAAAAEAAAAAAAAAZAAAAGQAAAAAAAAAZAAAAGQAAAAVAAAAYAAAAAAAAAAAAAAADwAAACADAAAAAAAAAAAAAAEAAACgMgAAVgcAAKr4//8BAAAAf39/AAEAAABkAAAAAAAAABQAAABAHwAAAAAAACYAAAAAAAAAwOD//wAAAAAmAAAAZAAAABYAAABMAAAAAAAAAAAAAAAEAAAAAAAAAAEAAACAgIAKAAAAACgAAAAoAAAAZAAAAGQAAAAAAAAAzMzMAAAAAABQAAAAUAAAAGQAAABkAAAAAAAAABcAAAAUAAAAAAAAAAAAAAD/fwAA/38AAAAAAAAJAAAABAAAAAAAAAAMAAAAEAAAAAAAAAAAAAAAAAAAAAAAAAAeAAAAaAAAAAAAAAAAAAAAAAAAAAAAAAAAAAAAECcAABAnAAAAAAAAAAAAAAAAAAAAAAAAAAAAAAAAAAAAAAAAAAAAABQAAAAAAAAAwMD/AAAAAABkAAAAMgAAAAAAAABkAAAAAAAAAH9/fwAKAAAAHwAAAFQAAAAAAAAFAAAAAQAAAAAAAAAAAAAAAAAAAAAAAAAAAAAAAAAAAAAAAAAAAAAAAn9/fwAAAAADzMzMAMDA/wB/f38AAAAAAAAAAAAAAAAAAAAAAAAAAAAhAAAAGAAAABQAAAA4EwAAGycAAAglAABZKQAAEAAAACYAAAAIAAAAAAAAAAAAAAA="/>
               </a:ext>
             </a:extLst>
           </p:cNvSpPr>
@@ -568,7 +569,7 @@
             <a:spLocks noGrp="1" noChangeArrowheads="1"/>
             <a:extLst>
               <a:ext uri="smNativeData">
-                <pr:smNativeData xmlns:pr="smNativeData" val="SMDATA_13_8OOwYxMAAAAlAAAAZAAAAA8BAAAAkAAAAEgAAACQAAAASAAAAAAAAAABAAAAAAAAAAEAAABQAAAAAAAAAAAA4D8AAAAAAADgPwAAAAAAAOA/AAAAAAAA4D8AAAAAAADgPwAAAAAAAOA/AAAAAAAA4D8AAAAAAADgPwAAAAAAAOA/AAAAAAAA4D8CAAAAjAAAAAAAAAAAAAAAu+DjDP///wgAAAAAAAAAAAAAAAAAAAAAAAAAAAAAAAAAAAAAZAAAAAEAAABAAAAAAAAAAAAAAAAAAAAAAAAAAAAAAAAAAAAAAAAAAAAAAAAAAAAAAAAAAAAAAAAAAAAAAAAAAAAAAAAAAAAAAAAAAAAAAAAAAAAAAAAAAAAAAAAAAAAAFAAAADwAAAAAAAAAAAAAAAAAAAkUAAAAAQAAABQAAAAUAAAAFAAAAAEAAAAAAAAAZAAAAGQAAAAAAAAAZAAAAGQAAAAVAAAAYAAAAAAAAAAAAAAADwAAACADAAAAAAAAAAAAAAEAAACgMgAAVgcAAKr4//8BAAAAf39/AAEAAABkAAAAAAAAABQAAABAHwAAAAAAACYAAAAAAAAAwOD//wAAAAAmAAAAZAAAABYAAABMAAAAAAAAAAAAAAAEAAAAAAAAAAEAAACAgIAKAAAAACgAAAAoAAAAZAAAAGQAAAAAAAAAzMzMAAAAAABQAAAAUAAAAGQAAABkAAAAAAAAABcAAAAUAAAAAAAAAAAAAAD/fwAA/38AAAAAAAAJAAAABAAAAAAAAAAMAAAAEAAAAAAAAAAAAAAAAAAAAAAAAAAeAAAAaAAAAAAAAAAAAAAAAAAAAAAAAAAAAAAAECcAABAnAAAAAAAAAAAAAAAAAAAAAAAAAAAAAAAAAAAAAAAAAAAAABQAAAAAAAAAwMD/AAAAAABkAAAAMgAAAAAAAABkAAAAAAAAAH9/fwAKAAAAHwAAAFQAAAAAAAAFAAAAAQAAAAAAAAAAAAAAAAAAAAAAAAAAAAAAAAAAAAAAAAAAAAAAAn9/fwAAAAADzMzMAMDA/wB/f38AAAAAAAAAAAAAAAAAAAAAAAAAAAAhAAAAGAAAABQAAABQKAAAGycAAHA1AABZKQAAEAAAACYAAAAIAAAAAAAAAAAAAAA="/>
+                <pr:smNativeData xmlns:pr="smNativeData" val="SMDATA_13_5C6yYxMAAAAlAAAAZAAAAA8BAAAAkAAAAEgAAACQAAAASAAAAAAAAAABAAAAAAAAAAEAAABQAAAAAAAAAAAA4D8AAAAAAADgPwAAAAAAAOA/AAAAAAAA4D8AAAAAAADgPwAAAAAAAOA/AAAAAAAA4D8AAAAAAADgPwAAAAAAAOA/AAAAAAAA4D8CAAAAjAAAAAAAAAAAAAAAu+DjDP///wgAAAAAAAAAAAAAAAAAAAAAAAAAAAAAAAAAAAAAZAAAAAEAAABAAAAAAAAAAAAAAAAAAAAAAAAAAAAAAAAAAAAAAAAAAAAAAAAAAAAAAAAAAAAAAAAAAAAAAAAAAAAAAAAAAAAAAAAAAAAAAAAAAAAAAAAAAAAAAAAAAAAAFAAAADwAAAAAAAAAAAAAAAAAAAkUAAAAAQAAABQAAAAUAAAAFAAAAAEAAAAAAAAAZAAAAGQAAAAAAAAAZAAAAGQAAAAVAAAAYAAAAAAAAAAAAAAADwAAACADAAAAAAAAAAAAAAEAAACgMgAAVgcAAKr4//8BAAAAf39/AAEAAABkAAAAAAAAABQAAABAHwAAAAAAACYAAAAAAAAAwOD//wAAAAAmAAAAZAAAABYAAABMAAAAAAAAAAAAAAAEAAAAAAAAAAEAAACAgIAKAAAAACgAAAAoAAAAZAAAAGQAAAAAAAAAzMzMAAAAAABQAAAAUAAAAGQAAABkAAAAAAAAABcAAAAUAAAAAAAAAAAAAAD/fwAA/38AAAAAAAAJAAAABAAAAAAAAAAMAAAAEAAAAAAAAAAAAAAAAAAAAAAAAAAeAAAAaAAAAAAAAAAAAAAAAAAAAAAAAAAAAAAAECcAABAnAAAAAAAAAAAAAAAAAAAAAAAAAAAAAAAAAAAAAAAAAAAAABQAAAAAAAAAwMD/AAAAAABkAAAAMgAAAAAAAABkAAAAAAAAAH9/fwAKAAAAHwAAAFQAAAAAAAAFAAAAAQAAAAAAAAAAAAAAAAAAAAAAAAAAAAAAAAAAAAAAAAAAAAAAAn9/fwAAAAADzMzMAMDA/wB/f38AAAAAAAAAAAAAAAAAAAAAAAAAAAAhAAAAGAAAABQAAABQKAAAGycAAHA1AABZKQAAEAAAACYAAAAIAAAAAAAAAAAAAAA="/>
               </a:ext>
             </a:extLst>
           </p:cNvSpPr>
@@ -582,7 +583,7 @@
           <a:lstStyle/>
           <a:p>
             <a:pPr/>
-            <a:fld id="{0B3B5006-48E6-6EA6-A883-BEF31ECD5EEB}" type="slidenum">
+            <a:fld id="{063419E1-AFEB-61EF-A58C-59BA57C2530C}" type="slidenum">
               <a:t/>
             </a:fld>
           </a:p>
@@ -620,7 +621,7 @@
             <a:spLocks noGrp="1" noChangeArrowheads="1"/>
             <a:extLst>
               <a:ext uri="smNativeData">
-                <pr:smNativeData xmlns:pr="smNativeData" val="SMDATA_13_8OOwYxMAAAAlAAAAZAAAAA8BAAAAkAAAAEgAAACQAAAASAAAAAAAAAACAAAAAQAAAAEAAABQAAAAAAAAAAAA4D8AAAAAAADgPwAAAAAAAOA/AAAAAAAA4D8AAAAAAADgPwAAAAAAAOA/AAAAAAAA4D8AAAAAAADgPwAAAAAAAOA/AAAAAAAA4D8CAAAAjAAAAAAAAAAAAAAAu+DjDP///wgAAAAAAAAAAAAAAAAAAAAAAAAAAAAAAAAAAAAAZAAAAAEAAABAAAAAAAAAAAAAAAAAAAAAAAAAAAAAAAAAAAAAAAAAAAAAAAAAAAAAAAAAAAAAAAAAAAAAAAAAAAAAAAAAAAAAAAAAAAAAAAAAAAAAAAAAAAAAAAAAAAAAFAAAADwAAAAAAAAAAAAAAAAAAAkUAAAAAQAAABQAAAAUAAAAFAAAAAEAAAAAAAAAZAAAAGQAAAAAAAAAZAAAAGQAAAAVAAAAYAAAAAAAAAAAAAAADwAAACADAAAAAAAAAAAAAAEAAACgMgAAVgcAAKr4//8BAAAAf39/AAEAAABkAAAAAAAAABQAAABAHwAAAAAAACYAAAAAAAAAwOD//wAAAAAmAAAAZAAAABYAAABMAAAAAAAAAAAAAAAEAAAAAAAAAAEAAACAgIAKAAAAACgAAAAoAAAAZAAAAGQAAAAAAAAAzMzMAAAAAABQAAAAUAAAAGQAAABkAAAAAAAAABcAAAAUAAAAAAAAAAAAAAD/fwAA/38AAAAAAAAJAAAABAAAAAAAAAAMAAAAEAAAAAAAAAAAAAAAAAAAAAAAAAAeAAAAaAAAAAAAAAAAAAAAAAAAAAAAAAAAAAAAECcAABAnAAAAAAAAAAAAAAAAAAAAAAAAAAAAAAAAAAAAAAAAAAAAABQAAAAAAAAAwMD/AAAAAABkAAAAMgAAAAAAAABkAAAAAAAAAH9/fwAKAAAAHwAAAFQAAAAAAAAFAAAAAQAAAAAAAAAAAAAAAAAAAAAAAAAAAAAAAAAAAAAAAAAAAAAAAn9/fwAAAAADzMzMAMDA/wB/f38AAAAAAAAAAAAAAAAAAAAAAAAAAAAhAAAAGAAAABQAAADIKAAAsAEAAHA1AACwJQAAEAAAACYAAAAIAAAAgwAAAAAAAAA="/>
+                <pr:smNativeData xmlns:pr="smNativeData" val="SMDATA_13_5C6yYxMAAAAlAAAAZAAAAA8BAAAAkAAAAEgAAACQAAAASAAAAAAAAAACAAAAAQAAAAEAAABQAAAAAAAAAAAA4D8AAAAAAADgPwAAAAAAAOA/AAAAAAAA4D8AAAAAAADgPwAAAAAAAOA/AAAAAAAA4D8AAAAAAADgPwAAAAAAAOA/AAAAAAAA4D8CAAAAjAAAAAAAAAAAAAAAu+DjDP///wgAAAAAAAAAAAAAAAAAAAAAAAAAAAAAAAAAAAAAZAAAAAEAAABAAAAAAAAAAAAAAAAAAAAAAAAAAAAAAAAAAAAAAAAAAAAAAAAAAAAAAAAAAAAAAAAAAAAAAAAAAAAAAAAAAAAAAAAAAAAAAAAAAAAAAAAAAAAAAAAAAAAAFAAAADwAAAAAAAAAAAAAAAAAAAkUAAAAAQAAABQAAAAUAAAAFAAAAAEAAAAAAAAAZAAAAGQAAAAAAAAAZAAAAGQAAAAVAAAAYAAAAAAAAAAAAAAADwAAACADAAAAAAAAAAAAAAEAAACgMgAAVgcAAKr4//8BAAAAf39/AAEAAABkAAAAAAAAABQAAABAHwAAAAAAACYAAAAAAAAAwOD//wAAAAAmAAAAZAAAABYAAABMAAAAAAAAAAAAAAAEAAAAAAAAAAEAAACAgIAKAAAAACgAAAAoAAAAZAAAAGQAAAAAAAAAzMzMAAAAAABQAAAAUAAAAGQAAABkAAAAAAAAABcAAAAUAAAAAAAAAAAAAAD/fwAA/38AAAAAAAAJAAAABAAAAAAAAAAMAAAAEAAAAAAAAAAAAAAAAAAAAAAAAAAeAAAAaAAAAAAAAAAAAAAAAAAAAAAAAAAAAAAAECcAABAnAAAAAAAAAAAAAAAAAAAAAAAAAAAAAAAAAAAAAAAAAAAAABQAAAAAAAAAwMD/AAAAAABkAAAAMgAAAAAAAABkAAAAAAAAAH9/fwAKAAAAHwAAAFQAAAAAAAAFAAAAAQAAAAAAAAAAAAAAAAAAAAAAAAAAAAAAAAAAAAAAAAAAAAAAAn9/fwAAAAADzMzMAMDA/wB/f38AAAAAAAAAAAAAAAAAAAAAAAAAAAAhAAAAGAAAABQAAADIKAAAsAEAAHA1AACwJQAAEAAAACYAAAAIAAAAgwAAAAAAAAA="/>
               </a:ext>
             </a:extLst>
           </p:cNvSpPr>
@@ -656,7 +657,7 @@
             <a:spLocks noGrp="1" noChangeArrowheads="1"/>
             <a:extLst>
               <a:ext uri="smNativeData">
-                <pr:smNativeData xmlns:pr="smNativeData" val="SMDATA_13_8OOwYxMAAAAlAAAAZAAAAA8BAAAAkAAAAEgAAACQAAAASAAAAAAAAAAAAAAAAQAAAAEAAABQAAAAAAAAAAAA4D8AAAAAAADgPwAAAAAAAOA/AAAAAAAA4D8AAAAAAADgPwAAAAAAAOA/AAAAAAAA4D8AAAAAAADgPwAAAAAAAOA/AAAAAAAA4D8CAAAAjAAAAAAAAAAAAAAAu+DjDP///wgAAAAAAAAAAAAAAAAAAAAAAAAAAAAAAAAAAAAAZAAAAAEAAABAAAAAAAAAAAAAAAAAAAAAAAAAAAAAAAAAAAAAAAAAAAAAAAAAAAAAAAAAAAAAAAAAAAAAAAAAAAAAAAAAAAAAAAAAAAAAAAAAAAAAAAAAAAAAAAAAAAAAFAAAADwAAAAAAAAAAAAAAAAAAAkUAAAAAQAAABQAAAAUAAAAFAAAAAEAAAAAAAAAZAAAAGQAAAAAAAAAZAAAAGQAAAAVAAAAYAAAAAAAAAAAAAAADwAAACADAAAAAAAAAAAAAAEAAACgMgAAVgcAAKr4//8BAAAAf39/AAEAAABkAAAAAAAAABQAAABAHwAAAAAAACYAAAAAAAAAwOD//wAAAAAmAAAAZAAAABYAAABMAAAAAAAAAAAAAAAEAAAAAAAAAAEAAACAgIAKAAAAACgAAAAoAAAAZAAAAGQAAAAAAAAAzMzMAAAAAABQAAAAUAAAAGQAAABkAAAAAAAAABcAAAAUAAAAAAAAAAAAAAD/fwAA/38AAAAAAAAJAAAABAAAAAAAAAAMAAAAEAAAAAAAAAAAAAAAAAAAAAAAAAAeAAAAaAAAAAAAAAAAAAAAAAAAAAAAAAAAAAAAECcAABAnAAAAAAAAAAAAAAAAAAAAAAAAAAAAAAAAAAAAAAAAAAAAABQAAAAAAAAAwMD/AAAAAABkAAAAMgAAAAAAAABkAAAAAAAAAH9/fwAKAAAAHwAAAFQAAAAAAAAFAAAAAQAAAAAAAAAAAAAAAAAAAAAAAAAAAAAAAAAAAAAAAAAAAAAAAn9/fwAAAAADzMzMAMDA/wB/f38AAAAAAAAAAAAAAAAAAAAAAAAAAAAhAAAAGAAAABQAAADQAgAAsAEAANgnAACwJQAAEAAAACYAAAAIAAAAAwAAAAAAAAA="/>
+                <pr:smNativeData xmlns:pr="smNativeData" val="SMDATA_13_5C6yYxMAAAAlAAAAZAAAAA8BAAAAkAAAAEgAAACQAAAASAAAAAAAAAAAAAAAAQAAAAEAAABQAAAAAAAAAAAA4D8AAAAAAADgPwAAAAAAAOA/AAAAAAAA4D8AAAAAAADgPwAAAAAAAOA/AAAAAAAA4D8AAAAAAADgPwAAAAAAAOA/AAAAAAAA4D8CAAAAjAAAAAAAAAAAAAAAu+DjDP///wgAAAAAAAAAAAAAAAAAAAAAAAAAAAAAAAAAAAAAZAAAAAEAAABAAAAAAAAAAAAAAAAAAAAAAAAAAAAAAAAAAAAAAAAAAAAAAAAAAAAAAAAAAAAAAAAAAAAAAAAAAAAAAAAAAAAAAAAAAAAAAAAAAAAAAAAAAAAAAAAAAAAAFAAAADwAAAAAAAAAAAAAAAAAAAkUAAAAAQAAABQAAAAUAAAAFAAAAAEAAAAAAAAAZAAAAGQAAAAAAAAAZAAAAGQAAAAVAAAAYAAAAAAAAAAAAAAADwAAACADAAAAAAAAAAAAAAEAAACgMgAAVgcAAKr4//8BAAAAf39/AAEAAABkAAAAAAAAABQAAABAHwAAAAAAACYAAAAAAAAAwOD//wAAAAAmAAAAZAAAABYAAABMAAAAAAAAAAAAAAAEAAAAAAAAAAEAAACAgIAKAAAAACgAAAAoAAAAZAAAAGQAAAAAAAAAzMzMAAAAAABQAAAAUAAAAGQAAABkAAAAAAAAABcAAAAUAAAAAAAAAAAAAAD/fwAA/38AAAAAAAAJAAAABAAAAAAAAAAMAAAAEAAAAAAAAAAAAAAAAAAAAAAAAAAeAAAAaAAAAAAAAAAAAAAAAAAAAAAAAAAAAAAAECcAABAnAAAAAAAAAAAAAAAAAAAAAAAAAAAAAAAAAAAAAAAAAAAAABQAAAAAAAAAwMD/AAAAAABkAAAAMgAAAAAAAABkAAAAAAAAAH9/fwAKAAAAHwAAAFQAAAAAAAAFAAAAAQAAAAAAAAAAAAAAAAAAAAAAAAAAAAAAAAAAAAAAAAAAAAAAAn9/fwAAAAADzMzMAMDA/wB/f38AAAAAAAAAAAAAAAAAAAAAAAAAAAAhAAAAGAAAABQAAADQAgAAsAEAANgnAACwJQAAEAAAACYAAAAIAAAAAwAAAAAAAAA="/>
               </a:ext>
             </a:extLst>
           </p:cNvSpPr>
@@ -716,7 +717,7 @@
             <a:spLocks noGrp="1" noChangeArrowheads="1"/>
             <a:extLst>
               <a:ext uri="smNativeData">
-                <pr:smNativeData xmlns:pr="smNativeData" val="SMDATA_13_8OOwYxMAAAAlAAAAZAAAAA8BAAAAkAAAAEgAAACQAAAASAAAAAAAAAABAAAAAAAAAAEAAABQAAAAAAAAAAAA4D8AAAAAAADgPwAAAAAAAOA/AAAAAAAA4D8AAAAAAADgPwAAAAAAAOA/AAAAAAAA4D8AAAAAAADgPwAAAAAAAOA/AAAAAAAA4D8CAAAAjAAAAAAAAAAAAAAAu+DjDP///wgAAAAAAAAAAAAAAAAAAAAAAAAAAAAAAAAAAAAAZAAAAAEAAABAAAAAAAAAAAAAAAAAAAAAAAAAAAAAAAAAAAAAAAAAAAAAAAAAAAAAAAAAAAAAAAAAAAAAAAAAAAAAAAAAAAAAAAAAAAAAAAAAAAAAAAAAAAAAAAAAAAAAFAAAADwAAAAAAAAAAAAAAAAAAAkUAAAAAQAAABQAAAAUAAAAFAAAAAEAAAAAAAAAZAAAAGQAAAAAAAAAZAAAAGQAAAAVAAAAYAAAAAAAAAAAAAAADwAAACADAAAAAAAAAAAAAAEAAACgMgAAVgcAAKr4//8BAAAAf39/AAEAAABkAAAAAAAAABQAAABAHwAAAAAAACYAAAAAAAAAwOD//wAAAAAmAAAAZAAAABYAAABMAAAAAAAAAAAAAAAEAAAAAAAAAAEAAACAgIAKAAAAACgAAAAoAAAAZAAAAGQAAAAAAAAAzMzMAAAAAABQAAAAUAAAAGQAAABkAAAAAAAAABcAAAAUAAAAAAAAAAAAAAD/fwAA/38AAAAAAAAJAAAABAAAAAAAAAAMAAAAEAAAAAAAAAAAAAAAAAAAAAAAAAAeAAAAaAAAAAAAAAAAAAAAAAAAAAAAAAAAAAAAECcAABAnAAAAAAAAAAAAAAAAAAAAAAAAAAAAAAAAAAAAAAAAAAAAABQAAAAAAAAAwMD/AAAAAABkAAAAMgAAAAAAAABkAAAAAAAAAH9/fwAKAAAAHwAAAFQAAAAAAAAFAAAAAQAAAAAAAAAAAAAAAAAAAAAAAAAAAAAAAAAAAAAAAAAAAAAAAn9/fwAAAAADzMzMAMDA/wB/f38AAAAAAAAAAAAAAAAAAAAAAAAAAAAhAAAAGAAAABQAAADQAgAAGycAAPAPAABZKQAAEAAAACYAAAAIAAAAAAAAAAAAAAA="/>
+                <pr:smNativeData xmlns:pr="smNativeData" val="SMDATA_13_5C6yYxMAAAAlAAAAZAAAAA8BAAAAkAAAAEgAAACQAAAASAAAAAAAAAABAAAAAAAAAAEAAABQAAAAAAAAAAAA4D8AAAAAAADgPwAAAAAAAOA/AAAAAAAA4D8AAAAAAADgPwAAAAAAAOA/AAAAAAAA4D8AAAAAAADgPwAAAAAAAOA/AAAAAAAA4D8CAAAAjAAAAAAAAAAAAAAAu+DjDP///wgAAAAAAAAAAAAAAAAAAAAAAAAAAAAAAAAAAAAAZAAAAAEAAABAAAAAAAAAAAAAAAAAAAAAAAAAAAAAAAAAAAAAAAAAAAAAAAAAAAAAAAAAAAAAAAAAAAAAAAAAAAAAAAAAAAAAAAAAAAAAAAAAAAAAAAAAAAAAAAAAAAAAFAAAADwAAAAAAAAAAAAAAAAAAAkUAAAAAQAAABQAAAAUAAAAFAAAAAEAAAAAAAAAZAAAAGQAAAAAAAAAZAAAAGQAAAAVAAAAYAAAAAAAAAAAAAAADwAAACADAAAAAAAAAAAAAAEAAACgMgAAVgcAAKr4//8BAAAAf39/AAEAAABkAAAAAAAAABQAAABAHwAAAAAAACYAAAAAAAAAwOD//wAAAAAmAAAAZAAAABYAAABMAAAAAAAAAAAAAAAEAAAAAAAAAAEAAACAgIAKAAAAACgAAAAoAAAAZAAAAGQAAAAAAAAAzMzMAAAAAABQAAAAUAAAAGQAAABkAAAAAAAAABcAAAAUAAAAAAAAAAAAAAD/fwAA/38AAAAAAAAJAAAABAAAAAAAAAAMAAAAEAAAAAAAAAAAAAAAAAAAAAAAAAAeAAAAaAAAAAAAAAAAAAAAAAAAAAAAAAAAAAAAECcAABAnAAAAAAAAAAAAAAAAAAAAAAAAAAAAAAAAAAAAAAAAAAAAABQAAAAAAAAAwMD/AAAAAABkAAAAMgAAAAAAAABkAAAAAAAAAH9/fwAKAAAAHwAAAFQAAAAAAAAFAAAAAQAAAAAAAAAAAAAAAAAAAAAAAAAAAAAAAAAAAAAAAAAAAAAAAn9/fwAAAAADzMzMAMDA/wB/f38AAAAAAAAAAAAAAAAAAAAAAAAAAAAhAAAAGAAAABQAAADQAgAAGycAAPAPAABZKQAAEAAAACYAAAAIAAAAAAAAAAAAAAA="/>
               </a:ext>
             </a:extLst>
           </p:cNvSpPr>
@@ -730,7 +731,7 @@
           <a:lstStyle/>
           <a:p>
             <a:pPr/>
-            <a:fld id="{0B3B273F-71E6-6ED1-A883-878469CD5ED2}" type="datetime1">
+            <a:fld id="{06344D3A-74EB-61BB-A58C-82EE03C253D7}" type="datetime1">
               <a:t/>
             </a:fld>
           </a:p>
@@ -743,7 +744,7 @@
             <a:spLocks noGrp="1" noChangeArrowheads="1"/>
             <a:extLst>
               <a:ext uri="smNativeData">
-                <pr:smNativeData xmlns:pr="smNativeData" val="SMDATA_13_8OOwYxMAAAAlAAAAZAAAAA8BAAAAkAAAAEgAAACQAAAASAAAAAAAAAABAAAAAAAAAAEAAABQAAAAAAAAAAAA4D8AAAAAAADgPwAAAAAAAOA/AAAAAAAA4D8AAAAAAADgPwAAAAAAAOA/AAAAAAAA4D8AAAAAAADgPwAAAAAAAOA/AAAAAAAA4D8CAAAAjAAAAAAAAAAAAAAAu+DjDP///wgAAAAAAAAAAAAAAAAAAAAAAAAAAAAAAAAAAAAAZAAAAAEAAABAAAAAAAAAAAAAAAAAAAAAAAAAAAAAAAAAAAAAAAAAAAAAAAAAAAAAAAAAAAAAAAAAAAAAAAAAAAAAAAAAAAAAAAAAAAAAAAAAAAAAAAAAAAAAAAAAAAAAFAAAADwAAAAAAAAAAAAAAAAAAAkUAAAAAQAAABQAAAAUAAAAFAAAAAEAAAAAAAAAZAAAAGQAAAAAAAAAZAAAAGQAAAAVAAAAYAAAAAAAAAAAAAAADwAAACADAAAAAAAAAAAAAAEAAACgMgAAVgcAAKr4//8BAAAAf39/AAEAAABkAAAAAAAAABQAAABAHwAAAAAAACYAAAAAAAAAwOD//wAAAAAmAAAAZAAAABYAAABMAAAAAAAAAAAAAAAEAAAAAAAAAAEAAACAgIAKAAAAACgAAAAoAAAAZAAAAGQAAAAAAAAAzMzMAAAAAABQAAAAUAAAAGQAAABkAAAAAAAAABcAAAAUAAAAAAAAAAAAAAD/fwAA/38AAAAAAAAJAAAABAAAAAAAAAAMAAAAEAAAAAAAAAAAAAAAAAAAAAAAAAAeAAAAaAAAAAAAAAAAAAAAAAAAAAAAAAAAAAAAECcAABAnAAAAAAAAAAAAAAAAAAAAAAAAAAAAAAAAAAAAAAAAAAAAABQAAAAAAAAAwMD/AAAAAABkAAAAMgAAAAAAAABkAAAAAAAAAH9/fwAKAAAAHwAAAFQAAAAAAAAFAAAAAQAAAAAAAAAAAAAAAAAAAAAAAAAAAAAAAAAAAAAAAAAAAAAAAn9/fwAAAAADzMzMAMDA/wB/f38AAAAAAAAAAAAAAAAAAAAAAAAAAAAhAAAAGAAAABQAAAA4EwAAGycAAAglAABZKQAAEAAAACYAAAAIAAAAAAAAAAAAAAA="/>
+                <pr:smNativeData xmlns:pr="smNativeData" val="SMDATA_13_5C6yYxMAAAAlAAAAZAAAAA8BAAAAkAAAAEgAAACQAAAASAAAAAAAAAABAAAAAAAAAAEAAABQAAAAAAAAAAAA4D8AAAAAAADgPwAAAAAAAOA/AAAAAAAA4D8AAAAAAADgPwAAAAAAAOA/AAAAAAAA4D8AAAAAAADgPwAAAAAAAOA/AAAAAAAA4D8CAAAAjAAAAAAAAAAAAAAAu+DjDP///wgAAAAAAAAAAAAAAAAAAAAAAAAAAAAAAAAAAAAAZAAAAAEAAABAAAAAAAAAAAAAAAAAAAAAAAAAAAAAAAAAAAAAAAAAAAAAAAAAAAAAAAAAAAAAAAAAAAAAAAAAAAAAAAAAAAAAAAAAAAAAAAAAAAAAAAAAAAAAAAAAAAAAFAAAADwAAAAAAAAAAAAAAAAAAAkUAAAAAQAAABQAAAAUAAAAFAAAAAEAAAAAAAAAZAAAAGQAAAAAAAAAZAAAAGQAAAAVAAAAYAAAAAAAAAAAAAAADwAAACADAAAAAAAAAAAAAAEAAACgMgAAVgcAAKr4//8BAAAAf39/AAEAAABkAAAAAAAAABQAAABAHwAAAAAAACYAAAAAAAAAwOD//wAAAAAmAAAAZAAAABYAAABMAAAAAAAAAAAAAAAEAAAAAAAAAAEAAACAgIAKAAAAACgAAAAoAAAAZAAAAGQAAAAAAAAAzMzMAAAAAABQAAAAUAAAAGQAAABkAAAAAAAAABcAAAAUAAAAAAAAAAAAAAD/fwAA/38AAAAAAAAJAAAABAAAAAAAAAAMAAAAEAAAAAAAAAAAAAAAAAAAAAAAAAAeAAAAaAAAAAAAAAAAAAAAAAAAAAAAAAAAAAAAECcAABAnAAAAAAAAAAAAAAAAAAAAAAAAAAAAAAAAAAAAAAAAAAAAABQAAAAAAAAAwMD/AAAAAABkAAAAMgAAAAAAAABkAAAAAAAAAH9/fwAKAAAAHwAAAFQAAAAAAAAFAAAAAQAAAAAAAAAAAAAAAAAAAAAAAAAAAAAAAAAAAAAAAAAAAAAAAn9/fwAAAAADzMzMAMDA/wB/f38AAAAAAAAAAAAAAAAAAAAAAAAAAAAhAAAAGAAAABQAAAA4EwAAGycAAAglAABZKQAAEAAAACYAAAAIAAAAAAAAAAAAAAA="/>
               </a:ext>
             </a:extLst>
           </p:cNvSpPr>
@@ -767,7 +768,7 @@
             <a:spLocks noGrp="1" noChangeArrowheads="1"/>
             <a:extLst>
               <a:ext uri="smNativeData">
-                <pr:smNativeData xmlns:pr="smNativeData" val="SMDATA_13_8OOwYxMAAAAlAAAAZAAAAA8BAAAAkAAAAEgAAACQAAAASAAAAAAAAAABAAAAAAAAAAEAAABQAAAAAAAAAAAA4D8AAAAAAADgPwAAAAAAAOA/AAAAAAAA4D8AAAAAAADgPwAAAAAAAOA/AAAAAAAA4D8AAAAAAADgPwAAAAAAAOA/AAAAAAAA4D8CAAAAjAAAAAAAAAAAAAAAu+DjDP///wgAAAAAAAAAAAAAAAAAAAAAAAAAAAAAAAAAAAAAZAAAAAEAAABAAAAAAAAAAAAAAAAAAAAAAAAAAAAAAAAAAAAAAAAAAAAAAAAAAAAAAAAAAAAAAAAAAAAAAAAAAAAAAAAAAAAAAAAAAAAAAAAAAAAAAAAAAAAAAAAAAAAAFAAAADwAAAAAAAAAAAAAAAAAAAkUAAAAAQAAABQAAAAUAAAAFAAAAAEAAAAAAAAAZAAAAGQAAAAAAAAAZAAAAGQAAAAVAAAAYAAAAAAAAAAAAAAADwAAACADAAAAAAAAAAAAAAEAAACgMgAAVgcAAKr4//8BAAAAf39/AAEAAABkAAAAAAAAABQAAABAHwAAAAAAACYAAAAAAAAAwOD//wAAAAAmAAAAZAAAABYAAABMAAAAAAAAAAAAAAAEAAAAAAAAAAEAAACAgIAKAAAAACgAAAAoAAAAZAAAAGQAAAAAAAAAzMzMAAAAAABQAAAAUAAAAGQAAABkAAAAAAAAABcAAAAUAAAAAAAAAAAAAAD/fwAA/38AAAAAAAAJAAAABAAAAAAAAAAMAAAAEAAAAAAAAAAAAAAAAAAAAAAAAAAeAAAAaAAAAAAAAAAAAAAAAAAAAAAAAAAAAAAAECcAABAnAAAAAAAAAAAAAAAAAAAAAAAAAAAAAAAAAAAAAAAAAAAAABQAAAAAAAAAwMD/AAAAAABkAAAAMgAAAAAAAABkAAAAAAAAAH9/fwAKAAAAHwAAAFQAAAAAAAAFAAAAAQAAAAAAAAAAAAAAAAAAAAAAAAAAAAAAAAAAAAAAAAAAAAAAAn9/fwAAAAADzMzMAMDA/wB/f38AAAAAAAAAAAAAAAAAAAAAAAAAAAAhAAAAGAAAABQAAABQKAAAGycAAHA1AABZKQAAEAAAACYAAAAIAAAAAAAAAAAAAAA="/>
+                <pr:smNativeData xmlns:pr="smNativeData" val="SMDATA_13_5C6yYxMAAAAlAAAAZAAAAA8BAAAAkAAAAEgAAACQAAAASAAAAAAAAAABAAAAAAAAAAEAAABQAAAAAAAAAAAA4D8AAAAAAADgPwAAAAAAAOA/AAAAAAAA4D8AAAAAAADgPwAAAAAAAOA/AAAAAAAA4D8AAAAAAADgPwAAAAAAAOA/AAAAAAAA4D8CAAAAjAAAAAAAAAAAAAAAu+DjDP///wgAAAAAAAAAAAAAAAAAAAAAAAAAAAAAAAAAAAAAZAAAAAEAAABAAAAAAAAAAAAAAAAAAAAAAAAAAAAAAAAAAAAAAAAAAAAAAAAAAAAAAAAAAAAAAAAAAAAAAAAAAAAAAAAAAAAAAAAAAAAAAAAAAAAAAAAAAAAAAAAAAAAAFAAAADwAAAAAAAAAAAAAAAAAAAkUAAAAAQAAABQAAAAUAAAAFAAAAAEAAAAAAAAAZAAAAGQAAAAAAAAAZAAAAGQAAAAVAAAAYAAAAAAAAAAAAAAADwAAACADAAAAAAAAAAAAAAEAAACgMgAAVgcAAKr4//8BAAAAf39/AAEAAABkAAAAAAAAABQAAABAHwAAAAAAACYAAAAAAAAAwOD//wAAAAAmAAAAZAAAABYAAABMAAAAAAAAAAAAAAAEAAAAAAAAAAEAAACAgIAKAAAAACgAAAAoAAAAZAAAAGQAAAAAAAAAzMzMAAAAAABQAAAAUAAAAGQAAABkAAAAAAAAABcAAAAUAAAAAAAAAAAAAAD/fwAA/38AAAAAAAAJAAAABAAAAAAAAAAMAAAAEAAAAAAAAAAAAAAAAAAAAAAAAAAeAAAAaAAAAAAAAAAAAAAAAAAAAAAAAAAAAAAAECcAABAnAAAAAAAAAAAAAAAAAAAAAAAAAAAAAAAAAAAAAAAAAAAAABQAAAAAAAAAwMD/AAAAAABkAAAAMgAAAAAAAABkAAAAAAAAAH9/fwAKAAAAHwAAAFQAAAAAAAAFAAAAAQAAAAAAAAAAAAAAAAAAAAAAAAAAAAAAAAAAAAAAAAAAAAAAAn9/fwAAAAADzMzMAMDA/wB/f38AAAAAAAAAAAAAAAAAAAAAAAAAAAAhAAAAGAAAABQAAABQKAAAGycAAHA1AABZKQAAEAAAACYAAAAIAAAAAAAAAAAAAAA="/>
               </a:ext>
             </a:extLst>
           </p:cNvSpPr>
@@ -781,7 +782,7 @@
           <a:lstStyle/>
           <a:p>
             <a:pPr/>
-            <a:fld id="{0B3B27A9-E7E6-6ED1-A883-118469CD5E44}" type="slidenum">
+            <a:fld id="{06343C62-2CEB-61CA-A58C-DA9F72C2538F}" type="slidenum">
               <a:t/>
             </a:fld>
           </a:p>
@@ -819,7 +820,7 @@
             <a:spLocks noGrp="1" noChangeArrowheads="1"/>
             <a:extLst>
               <a:ext uri="smNativeData">
-                <pr:smNativeData xmlns:pr="smNativeData" val="SMDATA_13_8OOwYxMAAAAlAAAAZAAAAA8BAAAAkAAAAEgAAACQAAAASAAAAAAAAAABAAAAAAAAAAEAAABQAAAAAAAAAAAA4D8AAAAAAADgPwAAAAAAAOA/AAAAAAAA4D8AAAAAAADgPwAAAAAAAOA/AAAAAAAA4D8AAAAAAADgPwAAAAAAAOA/AAAAAAAA4D8CAAAAjAAAAAAAAAAAAAAAu+DjDP///wgAAAAAAAAAAAAAAAAAAAAAAAAAAAAAAAAAAAAAZAAAAAEAAABAAAAAAAAAAAAAAAAAAAAAAAAAAAAAAAAAAAAAAAAAAAAAAAAAAAAAAAAAAAAAAAAAAAAAAAAAAAAAAAAAAAAAAAAAAAAAAAAAAAAAAAAAAAAAAAAAAAAAFAAAADwAAAAAAAAAAAAAAAAAAAkUAAAAAQAAABQAAAAUAAAAFAAAAAEAAAAAAAAAZAAAAGQAAAAAAAAAZAAAAGQAAAAVAAAAYAAAAAAAAAAAAAAADwAAACADAAAAAAAAAAAAAAEAAACgMgAAVgcAAKr4//8BAAAAf39/AAEAAABkAAAAAAAAABQAAABAHwAAAAAAACYAAAAAAAAAwOD//wAAAAAmAAAAZAAAABYAAABMAAAAAAAAAAAAAAAEAAAAAAAAAAEAAACAgIAKAAAAACgAAAAoAAAAZAAAAGQAAAAAAAAAzMzMAAAAAABQAAAAUAAAAGQAAABkAAAAAAAAABcAAAAUAAAAAAAAAAAAAAD/fwAA/38AAAAAAAAJAAAABAAAAE4AbwAMAAAAEAAAAAAAAAAAAAAAAAAAAAAAAAAeAAAAaAAAAAAAAAAAAAAAAAAAAAAAAAAAAAAAECcAABAnAAAAAAAAAAAAAAAAAAAAAAAAAAAAAAAAAAAAAAAAAAAAABQAAAAAAAAAwMD/AAAAAABkAAAAMgAAAAAAAABkAAAAAAAAAH9/fwAKAAAAHwAAAFQAAAAAAAAFAAAAAQAAAAAAAAAAAAAAAAAAAAAAAAAAAAAAAAAAAAAAAAAAAAAAAn9/fwAAAAADzMzMAMDA/wB/f38AAAAAAAAAAAAAAAAAAAAAAAAAAAAhAAAAGAAAABQAAADQAgAAsAEAAHA1AAC4CAAAEAAAACYAAAAIAAAAAAAAAAAAAAA="/>
+                <pr:smNativeData xmlns:pr="smNativeData" val="SMDATA_13_5C6yYxMAAAAlAAAAZAAAAA8BAAAAkAAAAEgAAACQAAAASAAAAAAAAAABAAAAAAAAAAEAAABQAAAAAAAAAAAA4D8AAAAAAADgPwAAAAAAAOA/AAAAAAAA4D8AAAAAAADgPwAAAAAAAOA/AAAAAAAA4D8AAAAAAADgPwAAAAAAAOA/AAAAAAAA4D8CAAAAjAAAAAAAAAAAAAAAu+DjDP///wgAAAAAAAAAAAAAAAAAAAAAAAAAAAAAAAAAAAAAZAAAAAEAAABAAAAAAAAAAAAAAAAAAAAAAAAAAAAAAAAAAAAAAAAAAAAAAAAAAAAAAAAAAAAAAAAAAAAAAAAAAAAAAAAAAAAAAAAAAAAAAAAAAAAAAAAAAAAAAAAAAAAAFAAAADwAAAAAAAAAAAAAAAAAAAkUAAAAAQAAABQAAAAUAAAAFAAAAAEAAAAAAAAAZAAAAGQAAAAAAAAAZAAAAGQAAAAVAAAAYAAAAAAAAAAAAAAADwAAACADAAAAAAAAAAAAAAEAAACgMgAAVgcAAKr4//8BAAAAf39/AAEAAABkAAAAAAAAABQAAABAHwAAAAAAACYAAAAAAAAAwOD//wAAAAAmAAAAZAAAABYAAABMAAAAAAAAAAAAAAAEAAAAAAAAAAEAAACAgIAKAAAAACgAAAAoAAAAZAAAAGQAAAAAAAAAzMzMAAAAAABQAAAAUAAAAGQAAABkAAAAAAAAABcAAAAUAAAAAAAAAAAAAAD/fwAA/38AAAAAAAAJAAAABAAAAE4AbwAMAAAAEAAAAAAAAAAAAAAAAAAAAAAAAAAeAAAAaAAAAAAAAAAAAAAAAAAAAAAAAAAAAAAAECcAABAnAAAAAAAAAAAAAAAAAAAAAAAAAAAAAAAAAAAAAAAAAAAAABQAAAAAAAAAwMD/AAAAAABkAAAAMgAAAAAAAABkAAAAAAAAAH9/fwAKAAAAHwAAAFQAAAAAAAAFAAAAAQAAAAAAAAAAAAAAAAAAAAAAAAAAAAAAAAAAAAAAAAAAAAAAAn9/fwAAAAADzMzMAMDA/wB/f38AAAAAAAAAAAAAAAAAAAAAAAAAAAAhAAAAGAAAABQAAADQAgAAsAEAAHA1AAC4CAAAEAAAACYAAAAIAAAAAAAAAAAAAAA="/>
               </a:ext>
             </a:extLst>
           </p:cNvSpPr>
@@ -846,7 +847,7 @@
             <a:spLocks noGrp="1" noChangeArrowheads="1"/>
             <a:extLst>
               <a:ext uri="smNativeData">
-                <pr:smNativeData xmlns:pr="smNativeData" val="SMDATA_13_8OOwYxMAAAAlAAAAZAAAAA8BAAAAkAAAAEgAAACQAAAASAAAAAAAAAAAAAAAAAAAAAEAAABQAAAAAAAAAAAA4D8AAAAAAADgPwAAAAAAAOA/AAAAAAAA4D8AAAAAAADgPwAAAAAAAOA/AAAAAAAA4D8AAAAAAADgPwAAAAAAAOA/AAAAAAAA4D8CAAAAjAAAAAAAAAAAAAAAu+DjDP///wgAAAAAAAAAAAAAAAAAAAAAAAAAAAAAAAAAAAAAZAAAAAEAAABAAAAAAAAAAAAAAAAAAAAAAAAAAAAAAAAAAAAAAAAAAAAAAAAAAAAAAAAAAAAAAAAAAAAAAAAAAAAAAAAAAAAAAAAAAAAAAAAAAAAAAAAAAAAAAAAAAAAAFAAAADwAAAAAAAAAAAAAAAAAAAkUAAAAAQAAABQAAAAUAAAAFAAAAAEAAAAAAAAAZAAAAGQAAAAAAAAAZAAAAGQAAAAVAAAAYAAAAAAAAAAAAAAADwAAACADAAAAAAAAAAAAAAEAAACgMgAAVgcAAKr4//8BAAAAf39/AAEAAABkAAAAAAAAABQAAABAHwAAAAAAACYAAAAAAAAAwOD//wAAAAAmAAAAZAAAABYAAABMAAAAAAAAAAAAAAAEAAAAAAAAAAEAAACAgIAKAAAAACgAAAAoAAAAZAAAAGQAAAAAAAAAzMzMAAAAAABQAAAAUAAAAGQAAABkAAAAAAAAABcAAAAUAAAAAAAAAAAAAAD/fwAA/38AAAAAAAAJAAAABAAAAAAAAAAMAAAAEAAAAAAAAAAAAAAAAAAAAAAAAAAeAAAAaAAAAAAAAAAAAAAAAAAAAAAAAAAAAAAAECcAABAnAAAAAAAAAAAAAAAAAAAAAAAAAAAAAAAAAAAAAAAAAAAAABQAAAAAAAAAwMD/AAAAAABkAAAAMgAAAAAAAABkAAAAAAAAAH9/fwAKAAAAHwAAAFQAAAAAAAAFAAAAAQAAAAAAAAAAAAAAAAAAAAAAAAAAAAAAAAAAAAAAAAAAAAAAAn9/fwAAAAADzMzMAMDA/wB/f38AAAAAAAAAAAAAAAAAAAAAAAAAAAAhAAAAGAAAABQAAADQAgAA2AkAAHA1AACwJQAAEAAAACYAAAAIAAAAAAAAAAAAAAA="/>
+                <pr:smNativeData xmlns:pr="smNativeData" val="SMDATA_13_5C6yYxMAAAAlAAAAZAAAAA8BAAAAkAAAAEgAAACQAAAASAAAAAAAAAAAAAAAAAAAAAEAAABQAAAAAAAAAAAA4D8AAAAAAADgPwAAAAAAAOA/AAAAAAAA4D8AAAAAAADgPwAAAAAAAOA/AAAAAAAA4D8AAAAAAADgPwAAAAAAAOA/AAAAAAAA4D8CAAAAjAAAAAAAAAAAAAAAu+DjDP///wgAAAAAAAAAAAAAAAAAAAAAAAAAAAAAAAAAAAAAZAAAAAEAAABAAAAAAAAAAAAAAAAAAAAAAAAAAAAAAAAAAAAAAAAAAAAAAAAAAAAAAAAAAAAAAAAAAAAAAAAAAAAAAAAAAAAAAAAAAAAAAAAAAAAAAAAAAAAAAAAAAAAAFAAAADwAAAAAAAAAAAAAAAAAAAkUAAAAAQAAABQAAAAUAAAAFAAAAAEAAAAAAAAAZAAAAGQAAAAAAAAAZAAAAGQAAAAVAAAAYAAAAAAAAAAAAAAADwAAACADAAAAAAAAAAAAAAEAAACgMgAAVgcAAKr4//8BAAAAf39/AAEAAABkAAAAAAAAABQAAABAHwAAAAAAACYAAAAAAAAAwOD//wAAAAAmAAAAZAAAABYAAABMAAAAAAAAAAAAAAAEAAAAAAAAAAEAAACAgIAKAAAAACgAAAAoAAAAZAAAAGQAAAAAAAAAzMzMAAAAAABQAAAAUAAAAGQAAABkAAAAAAAAABcAAAAUAAAAAAAAAAAAAAD/fwAA/38AAAAAAAAJAAAABAAAAAAAAAAMAAAAEAAAAAAAAAAAAAAAAAAAAAAAAAAeAAAAaAAAAAAAAAAAAAAAAAAAAAAAAAAAAAAAECcAABAnAAAAAAAAAAAAAAAAAAAAAAAAAAAAAAAAAAAAAAAAAAAAABQAAAAAAAAAwMD/AAAAAABkAAAAMgAAAAAAAABkAAAAAAAAAH9/fwAKAAAAHwAAAFQAAAAAAAAFAAAAAQAAAAAAAAAAAAAAAAAAAAAAAAAAAAAAAAAAAAAAAAAAAAAAAn9/fwAAAAADzMzMAMDA/wB/f38AAAAAAAAAAAAAAAAAAAAAAAAAAAAhAAAAGAAAABQAAADQAgAA2AkAAHA1AACwJQAAEAAAACYAAAAIAAAAAAAAAAAAAAA="/>
               </a:ext>
             </a:extLst>
           </p:cNvSpPr>
@@ -897,7 +898,7 @@
             <a:spLocks noGrp="1" noChangeArrowheads="1"/>
             <a:extLst>
               <a:ext uri="smNativeData">
-                <pr:smNativeData xmlns:pr="smNativeData" val="SMDATA_13_8OOwYxMAAAAlAAAAZAAAAA8BAAAAkAAAAEgAAACQAAAASAAAAAAAAAABAAAAAAAAAAEAAABQAAAAAAAAAAAA4D8AAAAAAADgPwAAAAAAAOA/AAAAAAAA4D8AAAAAAADgPwAAAAAAAOA/AAAAAAAA4D8AAAAAAADgPwAAAAAAAOA/AAAAAAAA4D8CAAAAjAAAAAAAAAAAAAAAu+DjDP///wgAAAAAAAAAAAAAAAAAAAAAAAAAAAAAAAAAAAAAZAAAAAEAAABAAAAAAAAAAAAAAAAAAAAAAAAAAAAAAAAAAAAAAAAAAAAAAAAAAAAAAAAAAAAAAAAAAAAAAAAAAAAAAAAAAAAAAAAAAAAAAAAAAAAAAAAAAAAAAAAAAAAAFAAAADwAAAAAAAAAAAAAAAAAAAkUAAAAAQAAABQAAAAUAAAAFAAAAAEAAAAAAAAAZAAAAGQAAAAAAAAAZAAAAGQAAAAVAAAAYAAAAAAAAAAAAAAADwAAACADAAAAAAAAAAAAAAEAAACgMgAAVgcAAKr4//8BAAAAf39/AAEAAABkAAAAAAAAABQAAABAHwAAAAAAACYAAAAAAAAAwOD//wAAAAAmAAAAZAAAABYAAABMAAAAAAAAAAAAAAAEAAAAAAAAAAEAAACAgIAKAAAAACgAAAAoAAAAZAAAAGQAAAAAAAAAzMzMAAAAAABQAAAAUAAAAGQAAABkAAAAAAAAABcAAAAUAAAAAAAAAAAAAAD/fwAA/38AAAAAAAAJAAAABAAAAFwAQwAMAAAAEAAAAAAAAAAAAAAAAAAAAAAAAAAeAAAAaAAAAAAAAAAAAAAAAAAAAAAAAAAAAAAAECcAABAnAAAAAAAAAAAAAAAAAAAAAAAAAAAAAAAAAAAAAAAAAAAAABQAAAAAAAAAwMD/AAAAAABkAAAAMgAAAAAAAABkAAAAAAAAAH9/fwAKAAAAHwAAAFQAAAAAAAAFAAAAAQAAAAAAAAAAAAAAAAAAAAAAAAAAAAAAAAAAAAAAAAAAAAAAAn9/fwAAAAADzMzMAMDA/wB/f38AAAAAAAAAAAAAAAAAAAAAAAAAAAAhAAAAGAAAABQAAADQAgAAGycAAPAPAABZKQAAEAAAACYAAAAIAAAAAAAAAAAAAAA="/>
+                <pr:smNativeData xmlns:pr="smNativeData" val="SMDATA_13_5C6yYxMAAAAlAAAAZAAAAA8BAAAAkAAAAEgAAACQAAAASAAAAAAAAAABAAAAAAAAAAEAAABQAAAAAAAAAAAA4D8AAAAAAADgPwAAAAAAAOA/AAAAAAAA4D8AAAAAAADgPwAAAAAAAOA/AAAAAAAA4D8AAAAAAADgPwAAAAAAAOA/AAAAAAAA4D8CAAAAjAAAAAAAAAAAAAAAu+DjDP///wgAAAAAAAAAAAAAAAAAAAAAAAAAAAAAAAAAAAAAZAAAAAEAAABAAAAAAAAAAAAAAAAAAAAAAAAAAAAAAAAAAAAAAAAAAAAAAAAAAAAAAAAAAAAAAAAAAAAAAAAAAAAAAAAAAAAAAAAAAAAAAAAAAAAAAAAAAAAAAAAAAAAAFAAAADwAAAAAAAAAAAAAAAAAAAkUAAAAAQAAABQAAAAUAAAAFAAAAAEAAAAAAAAAZAAAAGQAAAAAAAAAZAAAAGQAAAAVAAAAYAAAAAAAAAAAAAAADwAAACADAAAAAAAAAAAAAAEAAACgMgAAVgcAAKr4//8BAAAAf39/AAEAAABkAAAAAAAAABQAAABAHwAAAAAAACYAAAAAAAAAwOD//wAAAAAmAAAAZAAAABYAAABMAAAAAAAAAAAAAAAEAAAAAAAAAAEAAACAgIAKAAAAACgAAAAoAAAAZAAAAGQAAAAAAAAAzMzMAAAAAABQAAAAUAAAAGQAAABkAAAAAAAAABcAAAAUAAAAAAAAAAAAAAD/fwAA/38AAAAAAAAJAAAABAAAAFwAQwAMAAAAEAAAAAAAAAAAAAAAAAAAAAAAAAAeAAAAaAAAAAAAAAAAAAAAAAAAAAAAAAAAAAAAECcAABAnAAAAAAAAAAAAAAAAAAAAAAAAAAAAAAAAAAAAAAAAAAAAABQAAAAAAAAAwMD/AAAAAABkAAAAMgAAAAAAAABkAAAAAAAAAH9/fwAKAAAAHwAAAFQAAAAAAAAFAAAAAQAAAAAAAAAAAAAAAAAAAAAAAAAAAAAAAAAAAAAAAAAAAAAAAn9/fwAAAAADzMzMAMDA/wB/f38AAAAAAAAAAAAAAAAAAAAAAAAAAAAhAAAAGAAAABQAAADQAgAAGycAAPAPAABZKQAAEAAAACYAAAAIAAAAAAAAAAAAAAA="/>
               </a:ext>
             </a:extLst>
           </p:cNvSpPr>
@@ -911,7 +912,7 @@
           <a:lstStyle/>
           <a:p>
             <a:pPr/>
-            <a:fld id="{0B3B0DC1-8FE6-6EFB-A883-79AE43CD5E2C}" type="datetime1">
+            <a:fld id="{06342DB1-FFEB-61DB-A58C-098E63C2535C}" type="datetime1">
               <a:t/>
             </a:fld>
           </a:p>
@@ -924,7 +925,7 @@
             <a:spLocks noGrp="1" noChangeArrowheads="1"/>
             <a:extLst>
               <a:ext uri="smNativeData">
-                <pr:smNativeData xmlns:pr="smNativeData" val="SMDATA_13_8OOwYxMAAAAlAAAAZAAAAA8BAAAAkAAAAEgAAACQAAAASAAAAAAAAAABAAAAAAAAAAEAAABQAAAAAAAAAAAA4D8AAAAAAADgPwAAAAAAAOA/AAAAAAAA4D8AAAAAAADgPwAAAAAAAOA/AAAAAAAA4D8AAAAAAADgPwAAAAAAAOA/AAAAAAAA4D8CAAAAjAAAAAAAAAAAAAAAu+DjDP///wgAAAAAAAAAAAAAAAAAAAAAAAAAAAAAAAAAAAAAZAAAAAEAAABAAAAAAAAAAAAAAAAAAAAAAAAAAAAAAAAAAAAAAAAAAAAAAAAAAAAAAAAAAAAAAAAAAAAAAAAAAAAAAAAAAAAAAAAAAAAAAAAAAAAAAAAAAAAAAAAAAAAAFAAAADwAAAAAAAAAAAAAAAAAAAkUAAAAAQAAABQAAAAUAAAAFAAAAAEAAAAAAAAAZAAAAGQAAAAAAAAAZAAAAGQAAAAVAAAAYAAAAAAAAAAAAAAADwAAACADAAAAAAAAAAAAAAEAAACgMgAAVgcAAKr4//8BAAAAf39/AAEAAABkAAAAAAAAABQAAABAHwAAAAAAACYAAAAAAAAAwOD//wAAAAAmAAAAZAAAABYAAABMAAAAAAAAAAAAAAAEAAAAAAAAAAEAAACAgIAKAAAAACgAAAAoAAAAZAAAAGQAAAAAAAAAzMzMAAAAAABQAAAAUAAAAGQAAABkAAAAAAAAABcAAAAUAAAAAAAAAAAAAAD/fwAA/38AAAAAAAAJAAAABAAAAElJSf8MAAAAEAAAAAAAAAAAAAAAAAAAAAAAAAAeAAAAaAAAAAAAAAAAAAAAAAAAAAAAAAAAAAAAECcAABAnAAAAAAAAAAAAAAAAAAAAAAAAAAAAAAAAAAAAAAAAAAAAABQAAAAAAAAAwMD/AAAAAABkAAAAMgAAAAAAAABkAAAAAAAAAH9/fwAKAAAAHwAAAFQAAAAAAAAFAAAAAQAAAAAAAAAAAAAAAAAAAAAAAAAAAAAAAAAAAAAAAAAAAAAAAn9/fwAAAAADzMzMAMDA/wB/f38AAAAAAAAAAAAAAAAAAAAAAAAAAAAhAAAAGAAAABQAAAA4EwAAGycAAAglAABZKQAAEAAAACYAAAAIAAAAAAAAAAAAAAA="/>
+                <pr:smNativeData xmlns:pr="smNativeData" val="SMDATA_13_5C6yYxMAAAAlAAAAZAAAAA8BAAAAkAAAAEgAAACQAAAASAAAAAAAAAABAAAAAAAAAAEAAABQAAAAAAAAAAAA4D8AAAAAAADgPwAAAAAAAOA/AAAAAAAA4D8AAAAAAADgPwAAAAAAAOA/AAAAAAAA4D8AAAAAAADgPwAAAAAAAOA/AAAAAAAA4D8CAAAAjAAAAAAAAAAAAAAAu+DjDP///wgAAAAAAAAAAAAAAAAAAAAAAAAAAAAAAAAAAAAAZAAAAAEAAABAAAAAAAAAAAAAAAAAAAAAAAAAAAAAAAAAAAAAAAAAAAAAAAAAAAAAAAAAAAAAAAAAAAAAAAAAAAAAAAAAAAAAAAAAAAAAAAAAAAAAAAAAAAAAAAAAAAAAFAAAADwAAAAAAAAAAAAAAAAAAAkUAAAAAQAAABQAAAAUAAAAFAAAAAEAAAAAAAAAZAAAAGQAAAAAAAAAZAAAAGQAAAAVAAAAYAAAAAAAAAAAAAAADwAAACADAAAAAAAAAAAAAAEAAACgMgAAVgcAAKr4//8BAAAAf39/AAEAAABkAAAAAAAAABQAAABAHwAAAAAAACYAAAAAAAAAwOD//wAAAAAmAAAAZAAAABYAAABMAAAAAAAAAAAAAAAEAAAAAAAAAAEAAACAgIAKAAAAACgAAAAoAAAAZAAAAGQAAAAAAAAAzMzMAAAAAABQAAAAUAAAAGQAAABkAAAAAAAAABcAAAAUAAAAAAAAAAAAAAD/fwAA/38AAAAAAAAJAAAABAAAAElJSf8MAAAAEAAAAAAAAAAAAAAAAAAAAAAAAAAeAAAAaAAAAAAAAAAAAAAAAAAAAAAAAAAAAAAAECcAABAnAAAAAAAAAAAAAAAAAAAAAAAAAAAAAAAAAAAAAAAAAAAAABQAAAAAAAAAwMD/AAAAAABkAAAAMgAAAAAAAABkAAAAAAAAAH9/fwAKAAAAHwAAAFQAAAAAAAAFAAAAAQAAAAAAAAAAAAAAAAAAAAAAAAAAAAAAAAAAAAAAAAAAAAAAAn9/fwAAAAADzMzMAMDA/wB/f38AAAAAAAAAAAAAAAAAAAAAAAAAAAAhAAAAGAAAABQAAAA4EwAAGycAAAglAABZKQAAEAAAACYAAAAIAAAAAAAAAAAAAAA="/>
               </a:ext>
             </a:extLst>
           </p:cNvSpPr>
@@ -948,7 +949,7 @@
             <a:spLocks noGrp="1" noChangeArrowheads="1"/>
             <a:extLst>
               <a:ext uri="smNativeData">
-                <pr:smNativeData xmlns:pr="smNativeData" val="SMDATA_13_8OOwYxMAAAAlAAAAZAAAAA8BAAAAkAAAAEgAAACQAAAASAAAAAAAAAABAAAAAAAAAAEAAABQAAAAAAAAAAAA4D8AAAAAAADgPwAAAAAAAOA/AAAAAAAA4D8AAAAAAADgPwAAAAAAAOA/AAAAAAAA4D8AAAAAAADgPwAAAAAAAOA/AAAAAAAA4D8CAAAAjAAAAAAAAAAAAAAAu+DjDP///wgAAAAAAAAAAAAAAAAAAAAAAAAAAAAAAAAAAAAAZAAAAAEAAABAAAAAAAAAAAAAAAAAAAAAAAAAAAAAAAAAAAAAAAAAAAAAAAAAAAAAAAAAAAAAAAAAAAAAAAAAAAAAAAAAAAAAAAAAAAAAAAAAAAAAAAAAAAAAAAAAAAAAFAAAADwAAAAAAAAAAAAAAAAAAAkUAAAAAQAAABQAAAAUAAAAFAAAAAEAAAAAAAAAZAAAAGQAAAAAAAAAZAAAAGQAAAAVAAAAYAAAAAAAAAAAAAAADwAAACADAAAAAAAAAAAAAAEAAACgMgAAVgcAAKr4//8BAAAAf39/AAEAAABkAAAAAAAAABQAAABAHwAAAAAAACYAAAAAAAAAwOD//wAAAAAmAAAAZAAAABYAAABMAAAAAAAAAAAAAAAEAAAAAAAAAAEAAACAgIAKAAAAACgAAAAoAAAAZAAAAGQAAAAAAAAAzMzMAAAAAABQAAAAUAAAAGQAAABkAAAAAAAAABcAAAAUAAAAAAAAAAAAAAD/fwAA/38AAAAAAAAJAAAABAAAAAAAAAAMAAAAEAAAAAAAAAAAAAAAAAAAAAAAAAAeAAAAaAAAAAAAAAAAAAAAAAAAAAAAAAAAAAAAECcAABAnAAAAAAAAAAAAAAAAAAAAAAAAAAAAAAAAAAAAAAAAAAAAABQAAAAAAAAAwMD/AAAAAABkAAAAMgAAAAAAAABkAAAAAAAAAH9/fwAKAAAAHwAAAFQAAAAAAAAFAAAAAQAAAAAAAAAAAAAAAAAAAAAAAAAAAAAAAAAAAAAAAAAAAAAAAn9/fwAAAAADzMzMAMDA/wB/f38AAAAAAAAAAAAAAAAAAAAAAAAAAAAhAAAAGAAAABQAAABQKAAAGycAAHA1AABZKQAAEAAAACYAAAAIAAAAAAAAAAAAAAA="/>
+                <pr:smNativeData xmlns:pr="smNativeData" val="SMDATA_13_5C6yYxMAAAAlAAAAZAAAAA8BAAAAkAAAAEgAAACQAAAASAAAAAAAAAABAAAAAAAAAAEAAABQAAAAAAAAAAAA4D8AAAAAAADgPwAAAAAAAOA/AAAAAAAA4D8AAAAAAADgPwAAAAAAAOA/AAAAAAAA4D8AAAAAAADgPwAAAAAAAOA/AAAAAAAA4D8CAAAAjAAAAAAAAAAAAAAAu+DjDP///wgAAAAAAAAAAAAAAAAAAAAAAAAAAAAAAAAAAAAAZAAAAAEAAABAAAAAAAAAAAAAAAAAAAAAAAAAAAAAAAAAAAAAAAAAAAAAAAAAAAAAAAAAAAAAAAAAAAAAAAAAAAAAAAAAAAAAAAAAAAAAAAAAAAAAAAAAAAAAAAAAAAAAFAAAADwAAAAAAAAAAAAAAAAAAAkUAAAAAQAAABQAAAAUAAAAFAAAAAEAAAAAAAAAZAAAAGQAAAAAAAAAZAAAAGQAAAAVAAAAYAAAAAAAAAAAAAAADwAAACADAAAAAAAAAAAAAAEAAACgMgAAVgcAAKr4//8BAAAAf39/AAEAAABkAAAAAAAAABQAAABAHwAAAAAAACYAAAAAAAAAwOD//wAAAAAmAAAAZAAAABYAAABMAAAAAAAAAAAAAAAEAAAAAAAAAAEAAACAgIAKAAAAACgAAAAoAAAAZAAAAGQAAAAAAAAAzMzMAAAAAABQAAAAUAAAAGQAAABkAAAAAAAAABcAAAAUAAAAAAAAAAAAAAD/fwAA/38AAAAAAAAJAAAABAAAAAAAAAAMAAAAEAAAAAAAAAAAAAAAAAAAAAAAAAAeAAAAaAAAAAAAAAAAAAAAAAAAAAAAAAAAAAAAECcAABAnAAAAAAAAAAAAAAAAAAAAAAAAAAAAAAAAAAAAAAAAAAAAABQAAAAAAAAAwMD/AAAAAABkAAAAMgAAAAAAAABkAAAAAAAAAH9/fwAKAAAAHwAAAFQAAAAAAAAFAAAAAQAAAAAAAAAAAAAAAAAAAAAAAAAAAAAAAAAAAAAAAAAAAAAAAn9/fwAAAAADzMzMAMDA/wB/f38AAAAAAAAAAAAAAAAAAAAAAAAAAAAhAAAAGAAAABQAAABQKAAAGycAAHA1AABZKQAAEAAAACYAAAAIAAAAAAAAAAAAAAA="/>
               </a:ext>
             </a:extLst>
           </p:cNvSpPr>
@@ -962,7 +963,7 @@
           <a:lstStyle/>
           <a:p>
             <a:pPr/>
-            <a:fld id="{0B3B131D-53E6-6EE5-A883-A5B05DCD5EF0}" type="slidenum">
+            <a:fld id="{06345343-0DEB-61A5-A58C-FBF01DC253AE}" type="slidenum">
               <a:t/>
             </a:fld>
           </a:p>
@@ -1000,7 +1001,7 @@
             <a:spLocks noGrp="1" noChangeArrowheads="1"/>
             <a:extLst>
               <a:ext uri="smNativeData">
-                <pr:smNativeData xmlns:pr="smNativeData" val="SMDATA_13_8OOwYxMAAAAlAAAAZAAAAA8BAAAAkAAAAEgAAACQAAAASAAAAAAAAAAAAAAAAAAAAAEAAABQAAAAAAAAAAAA4D8AAAAAAADgPwAAAAAAAOA/AAAAAAAA4D8AAAAAAADgPwAAAAAAAOA/AAAAAAAA4D8AAAAAAADgPwAAAAAAAOA/AAAAAAAA4D8CAAAAjAAAAAAAAAAAAAAAu+DjDP///wgAAAAAAAAAAAAAAAAAAAAAAAAAAAAAAAAAAAAAZAAAAAEAAABAAAAAAAAAAAAAAAAAAAAAAAAAAAAAAAAAAAAAAAAAAAAAAAAAAAAAAAAAAAAAAAAAAAAAAAAAAAAAAAAAAAAAAAAAAAAAAAAAAAAAAAAAAAAAAAAAAAAAFAAAADwAAAAAAAAAAAAAAAAAAAkUAAAAAQAAABQAAAAUAAAAFAAAAAEAAAAAAAAAZAAAAGQAAAAAAAAAZAAAAGQAAAAVAAAAYAAAAAAAAAAAAAAADwAAACADAAAAAAAAAAAAAAEAAACgMgAAVgcAAKr4//8BAAAAf39/AAEAAABkAAAAAAAAABQAAABAHwAAAAAAACYAAAAAAAAAwOD//wAAAAAmAAAAZAAAABYAAABMAAAAAAAAAAAAAAAEAAAAAAAAAAEAAACAgIAKAAAAACgAAAAoAAAAZAAAAGQAAAAAAAAAzMzMAAAAAABQAAAAUAAAAGQAAABkAAAAAAAAABcAAAAUAAAAAAAAAAAAAAD/fwAA/38AAAAAAAAJAAAABAAAAAAAAAAMAAAAEAAAAAAAAAAAAAAAAAAAAAAAAAAeAAAAaAAAAAAAAAAAAAAAAAAAAAAAAAAAAAAAECcAABAnAAAAAAAAAAAAAAAAAAAAAAAAAAAAAAAAAAAAAAAAAAAAABQAAAAAAAAAwMD/AAAAAABkAAAAMgAAAAAAAABkAAAAAAAAAH9/fwAKAAAAHwAAAFQAAAAAAAAFAAAAAQAAAAAAAAAAAAAAAAAAAAAAAAAAAAAAAAAAAAAAAAAAAAAAAn9/fwAAAAADzMzMAMDA/wB/f38AAAAAAAAAAAAAAAAAAAAAAAAAAAAhAAAAGAAAABQAAAByBAAAHBsAAEI0AAB9IwAAEAAAACYAAAAIAAAAgYAAAAAAAAA="/>
+                <pr:smNativeData xmlns:pr="smNativeData" val="SMDATA_13_5C6yYxMAAAAlAAAAZAAAAA8BAAAAkAAAAEgAAACQAAAASAAAAAAAAAAAAAAAAAAAAAEAAABQAAAAAAAAAAAA4D8AAAAAAADgPwAAAAAAAOA/AAAAAAAA4D8AAAAAAADgPwAAAAAAAOA/AAAAAAAA4D8AAAAAAADgPwAAAAAAAOA/AAAAAAAA4D8CAAAAjAAAAAAAAAAAAAAAu+DjDP///wgAAAAAAAAAAAAAAAAAAAAAAAAAAAAAAAAAAAAAZAAAAAEAAABAAAAAAAAAAAAAAAAAAAAAAAAAAAAAAAAAAAAAAAAAAAAAAAAAAAAAAAAAAAAAAAAAAAAAAAAAAAAAAAAAAAAAAAAAAAAAAAAAAAAAAAAAAAAAAAAAAAAAFAAAADwAAAAAAAAAAAAAAAAAAAkUAAAAAQAAABQAAAAUAAAAFAAAAAEAAAAAAAAAZAAAAGQAAAAAAAAAZAAAAGQAAAAVAAAAYAAAAAAAAAAAAAAADwAAACADAAAAAAAAAAAAAAEAAACgMgAAVgcAAKr4//8BAAAAf39/AAEAAABkAAAAAAAAABQAAABAHwAAAAAAACYAAAAAAAAAwOD//wAAAAAmAAAAZAAAABYAAABMAAAAAAAAAAAAAAAEAAAAAAAAAAEAAACAgIAKAAAAACgAAAAoAAAAZAAAAGQAAAAAAAAAzMzMAAAAAABQAAAAUAAAAGQAAABkAAAAAAAAABcAAAAUAAAAAAAAAAAAAAD/fwAA/38AAAAAAAAJAAAABAAAAAAAAAAMAAAAEAAAAAAAAAAAAAAAAAAAAAAAAAAeAAAAaAAAAAAAAAAAAAAAAAAAAAAAAAAAAAAAECcAABAnAAAAAAAAAAAAAAAAAAAAAAAAAAAAAAAAAAAAAAAAAAAAABQAAAAAAAAAwMD/AAAAAABkAAAAMgAAAAAAAABkAAAAAAAAAH9/fwAKAAAAHwAAAFQAAAAAAAAFAAAAAQAAAAAAAAAAAAAAAAAAAAAAAAAAAAAAAAAAAAAAAAAAAAAAAn9/fwAAAAADzMzMAMDA/wB/f38AAAAAAAAAAAAAAAAAAAAAAAAAAAAhAAAAGAAAABQAAAByBAAAHBsAAEI0AAB9IwAAEAAAACYAAAAIAAAAgYAAAAAAAAA="/>
               </a:ext>
             </a:extLst>
           </p:cNvSpPr>
@@ -1042,7 +1043,7 @@
             <a:spLocks noGrp="1" noChangeArrowheads="1"/>
             <a:extLst>
               <a:ext uri="smNativeData">
-                <pr:smNativeData xmlns:pr="smNativeData" val="SMDATA_13_8OOwYxMAAAAlAAAAZAAAAA8BAAAAkAAAAEgAAACQAAAASAAAAAAAAAACAAAAAAAAAAEAAABQAAAAAAAAAAAA4D8AAAAAAADgPwAAAAAAAOA/AAAAAAAA4D8AAAAAAADgPwAAAAAAAOA/AAAAAAAA4D8AAAAAAADgPwAAAAAAAOA/AAAAAAAA4D8CAAAAjAAAAAAAAAAAAAAAu+DjDP///wgAAAAAAAAAAAAAAAAAAAAAAAAAAAAAAAAAAAAAZAAAAAEAAABAAAAAAAAAAAAAAAAAAAAAAAAAAAAAAAAAAAAAAAAAAAAAAAAAAAAAAAAAAAAAAAAAAAAAAAAAAAAAAAAAAAAAAAAAAAAAAAAAAAAAAAAAAAAAAAAAAAAAFAAAADwAAAAAAAAAAAAAAAAAAAkUAAAAAQAAABQAAAAUAAAAFAAAAAEAAAAAAAAAZAAAAGQAAAAAAAAAZAAAAGQAAAAVAAAAYAAAAAAAAAAAAAAADwAAACADAAAAAAAAAAAAAAEAAACgMgAAVgcAAKr4//8BAAAAf39/AAEAAABkAAAAAAAAABQAAABAHwAAAAAAACYAAAAAAAAAwOD//wAAAAAmAAAAZAAAABYAAABMAAAAAAAAAAAAAAAEAAAAAAAAAAEAAACAgIAKAAAAACgAAAAoAAAAZAAAAGQAAAAAAAAAzMzMAAAAAABQAAAAUAAAAGQAAABkAAAAAAAAABcAAAAUAAAAAAAAAAAAAAD/fwAA/38AAAAAAAAJAAAABAAAAO3FAwAMAAAAEAAAAAAAAAAAAAAAAAAAAAAAAAAeAAAAaAAAAAAAAAAAAAAAAAAAAAAAAAAAAAAAECcAABAnAAAAAAAAAAAAAAAAAAAAAAAAAAAAAAAAAAAAAAAAAAAAABQAAAAAAAAAwMD/AAAAAABkAAAAMgAAAAAAAABkAAAAAAAAAH9/fwAKAAAAHwAAAFQAAAAAAAAFAAAAAQAAAAAAAAAAAAAAAAAAAAAAAAAAAAAAAAAAAAAAAAAAAAAAAn9/fwAAAAADzMzMAMDA/wB/f38AAAAAAAAAAAAAAAAAAAAAAAAAAAAhAAAAGAAAABQAAAByBAAA4REAAEI0AAAcGwAAEAAAACYAAAAIAAAAgYAAAAAAAAA="/>
+                <pr:smNativeData xmlns:pr="smNativeData" val="SMDATA_13_5C6yYxMAAAAlAAAAZAAAAA8BAAAAkAAAAEgAAACQAAAASAAAAAAAAAACAAAAAAAAAAEAAABQAAAAAAAAAAAA4D8AAAAAAADgPwAAAAAAAOA/AAAAAAAA4D8AAAAAAADgPwAAAAAAAOA/AAAAAAAA4D8AAAAAAADgPwAAAAAAAOA/AAAAAAAA4D8CAAAAjAAAAAAAAAAAAAAAu+DjDP///wgAAAAAAAAAAAAAAAAAAAAAAAAAAAAAAAAAAAAAZAAAAAEAAABAAAAAAAAAAAAAAAAAAAAAAAAAAAAAAAAAAAAAAAAAAAAAAAAAAAAAAAAAAAAAAAAAAAAAAAAAAAAAAAAAAAAAAAAAAAAAAAAAAAAAAAAAAAAAAAAAAAAAFAAAADwAAAAAAAAAAAAAAAAAAAkUAAAAAQAAABQAAAAUAAAAFAAAAAEAAAAAAAAAZAAAAGQAAAAAAAAAZAAAAGQAAAAVAAAAYAAAAAAAAAAAAAAADwAAACADAAAAAAAAAAAAAAEAAACgMgAAVgcAAKr4//8BAAAAf39/AAEAAABkAAAAAAAAABQAAABAHwAAAAAAACYAAAAAAAAAwOD//wAAAAAmAAAAZAAAABYAAABMAAAAAAAAAAAAAAAEAAAAAAAAAAEAAACAgIAKAAAAACgAAAAoAAAAZAAAAGQAAAAAAAAAzMzMAAAAAABQAAAAUAAAAGQAAABkAAAAAAAAABcAAAAUAAAAAAAAAAAAAAD/fwAA/38AAAAAAAAJAAAABAAAAO3FAwAMAAAAEAAAAAAAAAAAAAAAAAAAAAAAAAAeAAAAaAAAAAAAAAAAAAAAAAAAAAAAAAAAAAAAECcAABAnAAAAAAAAAAAAAAAAAAAAAAAAAAAAAAAAAAAAAAAAAAAAABQAAAAAAAAAwMD/AAAAAABkAAAAMgAAAAAAAABkAAAAAAAAAH9/fwAKAAAAHwAAAFQAAAAAAAAFAAAAAQAAAAAAAAAAAAAAAAAAAAAAAAAAAAAAAAAAAAAAAAAAAAAAAn9/fwAAAAADzMzMAMDA/wB/f38AAAAAAAAAAAAAAAAAAAAAAAAAAAAhAAAAGAAAABQAAAByBAAA4REAAEI0AAAcGwAAEAAAACYAAAAIAAAAgYAAAAAAAAA="/>
               </a:ext>
             </a:extLst>
           </p:cNvSpPr>
@@ -1115,7 +1116,7 @@
             <a:spLocks noGrp="1" noChangeArrowheads="1"/>
             <a:extLst>
               <a:ext uri="smNativeData">
-                <pr:smNativeData xmlns:pr="smNativeData" val="SMDATA_13_8OOwYxMAAAAlAAAAZAAAAA8BAAAAkAAAAEgAAACQAAAASAAAAAAAAAABAAAAAAAAAAEAAABQAAAAAAAAAAAA4D8AAAAAAADgPwAAAAAAAOA/AAAAAAAA4D8AAAAAAADgPwAAAAAAAOA/AAAAAAAA4D8AAAAAAADgPwAAAAAAAOA/AAAAAAAA4D8CAAAAjAAAAAAAAAAAAAAAu+DjDP///wgAAAAAAAAAAAAAAAAAAAAAAAAAAAAAAAAAAAAAZAAAAAEAAABAAAAAAAAAAAAAAAAAAAAAAAAAAAAAAAAAAAAAAAAAAAAAAAAAAAAAAAAAAAAAAAAAAAAAAAAAAAAAAAAAAAAAAAAAAAAAAAAAAAAAAAAAAAAAAAAAAAAAFAAAADwAAAAAAAAAAAAAAAAAAAkUAAAAAQAAABQAAAAUAAAAFAAAAAEAAAAAAAAAZAAAAGQAAAAAAAAAZAAAAGQAAAAVAAAAYAAAAAAAAAAAAAAADwAAACADAAAAAAAAAAAAAAEAAACgMgAAVgcAAKr4//8BAAAAf39/AAEAAABkAAAAAAAAABQAAABAHwAAAAAAACYAAAAAAAAAwOD//wAAAAAmAAAAZAAAABYAAABMAAAAAAAAAAAAAAAEAAAAAAAAAAEAAACAgIAKAAAAACgAAAAoAAAAZAAAAGQAAAAAAAAAzMzMAAAAAABQAAAAUAAAAGQAAABkAAAAAAAAABcAAAAUAAAAAAAAAAAAAAD/fwAA/38AAAAAAAAJAAAABAAAAPBC34oMAAAAEAAAAAAAAAAAAAAAAAAAAAAAAAAeAAAAaAAAAAAAAAAAAAAAAAAAAAAAAAAAAAAAECcAABAnAAAAAAAAAAAAAAAAAAAAAAAAAAAAAAAAAAAAAAAAAAAAABQAAAAAAAAAwMD/AAAAAABkAAAAMgAAAAAAAABkAAAAAAAAAH9/fwAKAAAAHwAAAFQAAAAAAAAFAAAAAQAAAAAAAAAAAAAAAAAAAAAAAAAAAAAAAAAAAAAAAAAAAAAAAn9/fwAAAAADzMzMAMDA/wB/f38AAAAAAAAAAAAAAAAAAAAAAAAAAAAhAAAAGAAAABQAAADQAgAAGycAAPAPAABZKQAAEAAAACYAAAAIAAAAAAAAAAAAAAA="/>
+                <pr:smNativeData xmlns:pr="smNativeData" val="SMDATA_13_5C6yYxMAAAAlAAAAZAAAAA8BAAAAkAAAAEgAAACQAAAASAAAAAAAAAABAAAAAAAAAAEAAABQAAAAAAAAAAAA4D8AAAAAAADgPwAAAAAAAOA/AAAAAAAA4D8AAAAAAADgPwAAAAAAAOA/AAAAAAAA4D8AAAAAAADgPwAAAAAAAOA/AAAAAAAA4D8CAAAAjAAAAAAAAAAAAAAAu+DjDP///wgAAAAAAAAAAAAAAAAAAAAAAAAAAAAAAAAAAAAAZAAAAAEAAABAAAAAAAAAAAAAAAAAAAAAAAAAAAAAAAAAAAAAAAAAAAAAAAAAAAAAAAAAAAAAAAAAAAAAAAAAAAAAAAAAAAAAAAAAAAAAAAAAAAAAAAAAAAAAAAAAAAAAFAAAADwAAAAAAAAAAAAAAAAAAAkUAAAAAQAAABQAAAAUAAAAFAAAAAEAAAAAAAAAZAAAAGQAAAAAAAAAZAAAAGQAAAAVAAAAYAAAAAAAAAAAAAAADwAAACADAAAAAAAAAAAAAAEAAACgMgAAVgcAAKr4//8BAAAAf39/AAEAAABkAAAAAAAAABQAAABAHwAAAAAAACYAAAAAAAAAwOD//wAAAAAmAAAAZAAAABYAAABMAAAAAAAAAAAAAAAEAAAAAAAAAAEAAACAgIAKAAAAACgAAAAoAAAAZAAAAGQAAAAAAAAAzMzMAAAAAABQAAAAUAAAAGQAAABkAAAAAAAAABcAAAAUAAAAAAAAAAAAAAD/fwAA/38AAAAAAAAJAAAABAAAAPBC34oMAAAAEAAAAAAAAAAAAAAAAAAAAAAAAAAeAAAAaAAAAAAAAAAAAAAAAAAAAAAAAAAAAAAAECcAABAnAAAAAAAAAAAAAAAAAAAAAAAAAAAAAAAAAAAAAAAAAAAAABQAAAAAAAAAwMD/AAAAAABkAAAAMgAAAAAAAABkAAAAAAAAAH9/fwAKAAAAHwAAAFQAAAAAAAAFAAAAAQAAAAAAAAAAAAAAAAAAAAAAAAAAAAAAAAAAAAAAAAAAAAAAAn9/fwAAAAADzMzMAMDA/wB/f38AAAAAAAAAAAAAAAAAAAAAAAAAAAAhAAAAGAAAABQAAADQAgAAGycAAPAPAABZKQAAEAAAACYAAAAIAAAAAAAAAAAAAAA="/>
               </a:ext>
             </a:extLst>
           </p:cNvSpPr>
@@ -1129,7 +1130,7 @@
           <a:lstStyle/>
           <a:p>
             <a:pPr/>
-            <a:fld id="{0B3B4316-58E6-6EB5-A883-AEE00DCD5EFB}" type="datetime1">
+            <a:fld id="{0634385C-12EB-61CE-A58C-E49B76C253B1}" type="datetime1">
               <a:t/>
             </a:fld>
           </a:p>
@@ -1142,7 +1143,7 @@
             <a:spLocks noGrp="1" noChangeArrowheads="1"/>
             <a:extLst>
               <a:ext uri="smNativeData">
-                <pr:smNativeData xmlns:pr="smNativeData" val="SMDATA_13_8OOwYxMAAAAlAAAAZAAAAA8BAAAAkAAAAEgAAACQAAAASAAAAAAAAAABAAAAAAAAAAEAAABQAAAAAAAAAAAA4D8AAAAAAADgPwAAAAAAAOA/AAAAAAAA4D8AAAAAAADgPwAAAAAAAOA/AAAAAAAA4D8AAAAAAADgPwAAAAAAAOA/AAAAAAAA4D8CAAAAjAAAAAAAAAAAAAAAu+DjDP///wgAAAAAAAAAAAAAAAAAAAAAAAAAAAAAAAAAAAAAZAAAAAEAAABAAAAAAAAAAAAAAAAAAAAAAAAAAAAAAAAAAAAAAAAAAAAAAAAAAAAAAAAAAAAAAAAAAAAAAAAAAAAAAAAAAAAAAAAAAAAAAAAAAAAAAAAAAAAAAAAAAAAAFAAAADwAAAAAAAAAAAAAAAAAAAkUAAAAAQAAABQAAAAUAAAAFAAAAAEAAAAAAAAAZAAAAGQAAAAAAAAAZAAAAGQAAAAVAAAAYAAAAAAAAAAAAAAADwAAACADAAAAAAAAAAAAAAEAAACgMgAAVgcAAKr4//8BAAAAf39/AAEAAABkAAAAAAAAABQAAABAHwAAAAAAACYAAAAAAAAAwOD//wAAAAAmAAAAZAAAABYAAABMAAAAAAAAAAAAAAAEAAAAAAAAAAEAAACAgIAKAAAAACgAAAAoAAAAZAAAAGQAAAAAAAAAzMzMAAAAAABQAAAAUAAAAGQAAABkAAAAAAAAABcAAAAUAAAAAAAAAAAAAAD/fwAA/38AAAAAAAAJAAAABAAAANMZJUQMAAAAEAAAAAAAAAAAAAAAAAAAAAAAAAAeAAAAaAAAAAAAAAAAAAAAAAAAAAAAAAAAAAAAECcAABAnAAAAAAAAAAAAAAAAAAAAAAAAAAAAAAAAAAAAAAAAAAAAABQAAAAAAAAAwMD/AAAAAABkAAAAMgAAAAAAAABkAAAAAAAAAH9/fwAKAAAAHwAAAFQAAAAAAAAFAAAAAQAAAAAAAAAAAAAAAAAAAAAAAAAAAAAAAAAAAAAAAAAAAAAAAn9/fwAAAAADzMzMAMDA/wB/f38AAAAAAAAAAAAAAAAAAAAAAAAAAAAhAAAAGAAAABQAAAA4EwAAGycAAAglAABZKQAAEAAAACYAAAAIAAAAAAAAAAAAAAA="/>
+                <pr:smNativeData xmlns:pr="smNativeData" val="SMDATA_13_5C6yYxMAAAAlAAAAZAAAAA8BAAAAkAAAAEgAAACQAAAASAAAAAAAAAABAAAAAAAAAAEAAABQAAAAAAAAAAAA4D8AAAAAAADgPwAAAAAAAOA/AAAAAAAA4D8AAAAAAADgPwAAAAAAAOA/AAAAAAAA4D8AAAAAAADgPwAAAAAAAOA/AAAAAAAA4D8CAAAAjAAAAAAAAAAAAAAAu+DjDP///wgAAAAAAAAAAAAAAAAAAAAAAAAAAAAAAAAAAAAAZAAAAAEAAABAAAAAAAAAAAAAAAAAAAAAAAAAAAAAAAAAAAAAAAAAAAAAAAAAAAAAAAAAAAAAAAAAAAAAAAAAAAAAAAAAAAAAAAAAAAAAAAAAAAAAAAAAAAAAAAAAAAAAFAAAADwAAAAAAAAAAAAAAAAAAAkUAAAAAQAAABQAAAAUAAAAFAAAAAEAAAAAAAAAZAAAAGQAAAAAAAAAZAAAAGQAAAAVAAAAYAAAAAAAAAAAAAAADwAAACADAAAAAAAAAAAAAAEAAACgMgAAVgcAAKr4//8BAAAAf39/AAEAAABkAAAAAAAAABQAAABAHwAAAAAAACYAAAAAAAAAwOD//wAAAAAmAAAAZAAAABYAAABMAAAAAAAAAAAAAAAEAAAAAAAAAAEAAACAgIAKAAAAACgAAAAoAAAAZAAAAGQAAAAAAAAAzMzMAAAAAABQAAAAUAAAAGQAAABkAAAAAAAAABcAAAAUAAAAAAAAAAAAAAD/fwAA/38AAAAAAAAJAAAABAAAANMZJUQMAAAAEAAAAAAAAAAAAAAAAAAAAAAAAAAeAAAAaAAAAAAAAAAAAAAAAAAAAAAAAAAAAAAAECcAABAnAAAAAAAAAAAAAAAAAAAAAAAAAAAAAAAAAAAAAAAAAAAAABQAAAAAAAAAwMD/AAAAAABkAAAAMgAAAAAAAABkAAAAAAAAAH9/fwAKAAAAHwAAAFQAAAAAAAAFAAAAAQAAAAAAAAAAAAAAAAAAAAAAAAAAAAAAAAAAAAAAAAAAAAAAAn9/fwAAAAADzMzMAMDA/wB/f38AAAAAAAAAAAAAAAAAAAAAAAAAAAAhAAAAGAAAABQAAAA4EwAAGycAAAglAABZKQAAEAAAACYAAAAIAAAAAAAAAAAAAAA="/>
               </a:ext>
             </a:extLst>
           </p:cNvSpPr>
@@ -1166,7 +1167,7 @@
             <a:spLocks noGrp="1" noChangeArrowheads="1"/>
             <a:extLst>
               <a:ext uri="smNativeData">
-                <pr:smNativeData xmlns:pr="smNativeData" val="SMDATA_13_8OOwYxMAAAAlAAAAZAAAAA8BAAAAkAAAAEgAAACQAAAASAAAAAAAAAABAAAAAAAAAAEAAABQAAAAAAAAAAAA4D8AAAAAAADgPwAAAAAAAOA/AAAAAAAA4D8AAAAAAADgPwAAAAAAAOA/AAAAAAAA4D8AAAAAAADgPwAAAAAAAOA/AAAAAAAA4D8CAAAAjAAAAAAAAAAAAAAAu+DjDP///wgAAAAAAAAAAAAAAAAAAAAAAAAAAAAAAAAAAAAAZAAAAAEAAABAAAAAAAAAAAAAAAAAAAAAAAAAAAAAAAAAAAAAAAAAAAAAAAAAAAAAAAAAAAAAAAAAAAAAAAAAAAAAAAAAAAAAAAAAAAAAAAAAAAAAAAAAAAAAAAAAAAAAFAAAADwAAAAAAAAAAAAAAAAAAAkUAAAAAQAAABQAAAAUAAAAFAAAAAEAAAAAAAAAZAAAAGQAAAAAAAAAZAAAAGQAAAAVAAAAYAAAAAAAAAAAAAAADwAAACADAAAAAAAAAAAAAAEAAACgMgAAVgcAAKr4//8BAAAAf39/AAEAAABkAAAAAAAAABQAAABAHwAAAAAAACYAAAAAAAAAwOD//wAAAAAmAAAAZAAAABYAAABMAAAAAAAAAAAAAAAEAAAAAAAAAAEAAACAgIAKAAAAACgAAAAoAAAAZAAAAGQAAAAAAAAAzMzMAAAAAABQAAAAUAAAAGQAAABkAAAAAAAAABcAAAAUAAAAAAAAAAAAAAD/fwAA/38AAAAAAAAJAAAABAAAAPhL+yIMAAAAEAAAAAAAAAAAAAAAAAAAAAAAAAAeAAAAaAAAAAAAAAAAAAAAAAAAAAAAAAAAAAAAECcAABAnAAAAAAAAAAAAAAAAAAAAAAAAAAAAAAAAAAAAAAAAAAAAABQAAAAAAAAAwMD/AAAAAABkAAAAMgAAAAAAAABkAAAAAAAAAH9/fwAKAAAAHwAAAFQAAAAAAAAFAAAAAQAAAAAAAAAAAAAAAAAAAAAAAAAAAAAAAAAAAAAAAAAAAAAAAn9/fwAAAAADzMzMAMDA/wB/f38AAAAAAAAAAAAAAAAAAAAAAAAAAAAhAAAAGAAAABQAAABQKAAAGycAAHA1AABZKQAAEAAAACYAAAAIAAAAAAAAAAAAAAA="/>
+                <pr:smNativeData xmlns:pr="smNativeData" val="SMDATA_13_5C6yYxMAAAAlAAAAZAAAAA8BAAAAkAAAAEgAAACQAAAASAAAAAAAAAABAAAAAAAAAAEAAABQAAAAAAAAAAAA4D8AAAAAAADgPwAAAAAAAOA/AAAAAAAA4D8AAAAAAADgPwAAAAAAAOA/AAAAAAAA4D8AAAAAAADgPwAAAAAAAOA/AAAAAAAA4D8CAAAAjAAAAAAAAAAAAAAAu+DjDP///wgAAAAAAAAAAAAAAAAAAAAAAAAAAAAAAAAAAAAAZAAAAAEAAABAAAAAAAAAAAAAAAAAAAAAAAAAAAAAAAAAAAAAAAAAAAAAAAAAAAAAAAAAAAAAAAAAAAAAAAAAAAAAAAAAAAAAAAAAAAAAAAAAAAAAAAAAAAAAAAAAAAAAFAAAADwAAAAAAAAAAAAAAAAAAAkUAAAAAQAAABQAAAAUAAAAFAAAAAEAAAAAAAAAZAAAAGQAAAAAAAAAZAAAAGQAAAAVAAAAYAAAAAAAAAAAAAAADwAAACADAAAAAAAAAAAAAAEAAACgMgAAVgcAAKr4//8BAAAAf39/AAEAAABkAAAAAAAAABQAAABAHwAAAAAAACYAAAAAAAAAwOD//wAAAAAmAAAAZAAAABYAAABMAAAAAAAAAAAAAAAEAAAAAAAAAAEAAACAgIAKAAAAACgAAAAoAAAAZAAAAGQAAAAAAAAAzMzMAAAAAABQAAAAUAAAAGQAAABkAAAAAAAAABcAAAAUAAAAAAAAAAAAAAD/fwAA/38AAAAAAAAJAAAABAAAAPhL+yIMAAAAEAAAAAAAAAAAAAAAAAAAAAAAAAAeAAAAaAAAAAAAAAAAAAAAAAAAAAAAAAAAAAAAECcAABAnAAAAAAAAAAAAAAAAAAAAAAAAAAAAAAAAAAAAAAAAAAAAABQAAAAAAAAAwMD/AAAAAABkAAAAMgAAAAAAAABkAAAAAAAAAH9/fwAKAAAAHwAAAFQAAAAAAAAFAAAAAQAAAAAAAAAAAAAAAAAAAAAAAAAAAAAAAAAAAAAAAAAAAAAAAn9/fwAAAAADzMzMAMDA/wB/f38AAAAAAAAAAAAAAAAAAAAAAAAAAAAhAAAAGAAAABQAAABQKAAAGycAAHA1AABZKQAAEAAAACYAAAAIAAAAAAAAAAAAAAA="/>
               </a:ext>
             </a:extLst>
           </p:cNvSpPr>
@@ -1180,7 +1181,7 @@
           <a:lstStyle/>
           <a:p>
             <a:pPr/>
-            <a:fld id="{0B3B112B-65E6-6EE7-A883-93B25FCD5EC6}" type="slidenum">
+            <a:fld id="{06341EE5-ABEB-61E8-A58C-5DBD50C25308}" type="slidenum">
               <a:t/>
             </a:fld>
           </a:p>
@@ -1218,7 +1219,7 @@
             <a:spLocks noGrp="1" noChangeArrowheads="1"/>
             <a:extLst>
               <a:ext uri="smNativeData">
-                <pr:smNativeData xmlns:pr="smNativeData" val="SMDATA_13_8OOwYxMAAAAlAAAAZAAAAA8BAAAAkAAAAEgAAACQAAAASAAAAAAAAAABAAAAAAAAAAEAAABQAAAAAAAAAAAA4D8AAAAAAADgPwAAAAAAAOA/AAAAAAAA4D8AAAAAAADgPwAAAAAAAOA/AAAAAAAA4D8AAAAAAADgPwAAAAAAAOA/AAAAAAAA4D8CAAAAjAAAAAAAAAAAAAAAu+DjDP///wgAAAAAAAAAAAAAAAAAAAAAAAAAAAAAAAAAAAAAZAAAAAEAAABAAAAAAAAAAAAAAAAAAAAAAAAAAAAAAAAAAAAAAAAAAAAAAAAAAAAAAAAAAAAAAAAAAAAAAAAAAAAAAAAAAAAAAAAAAAAAAAAAAAAAAAAAAAAAAAAAAAAAFAAAADwAAAAAAAAAAAAAAAAAAAkUAAAAAQAAABQAAAAUAAAAFAAAAAEAAAAAAAAAZAAAAGQAAAAAAAAAZAAAAGQAAAAVAAAAYAAAAAAAAAAAAAAADwAAACADAAAAAAAAAAAAAAEAAACgMgAAVgcAAKr4//8BAAAAf39/AAEAAABkAAAAAAAAABQAAABAHwAAAAAAACYAAAAAAAAAwOD//wAAAAAmAAAAZAAAABYAAABMAAAAAAAAAAAAAAAEAAAAAAAAAAEAAACAgIAKAAAAACgAAAAoAAAAZAAAAGQAAAAAAAAAzMzMAAAAAABQAAAAUAAAAGQAAABkAAAAAAAAABcAAAAUAAAAAAAAAAAAAAD/fwAA/38AAAAAAAAJAAAABAAAAAMAhj4MAAAAEAAAAAAAAAAAAAAAAAAAAAAAAAAeAAAAaAAAAAAAAAAAAAAAAAAAAAAAAAAAAAAAECcAABAnAAAAAAAAAAAAAAAAAAAAAAAAAAAAAAAAAAAAAAAAAAAAABQAAAAAAAAAwMD/AAAAAABkAAAAMgAAAAAAAABkAAAAAAAAAH9/fwAKAAAAHwAAAFQAAAAAAAAFAAAAAQAAAAAAAAAAAAAAAAAAAAAAAAAAAAAAAAAAAAAAAAAAAAAAAn9/fwAAAAADzMzMAMDA/wB/f38AAAAAAAAAAAAAAAAAAAAAAAAAAAAhAAAAGAAAABQAAADQAgAAsAEAAHA1AAC4CAAAEAAAACYAAAAIAAAAAAAAAAAAAAA="/>
+                <pr:smNativeData xmlns:pr="smNativeData" val="SMDATA_13_5C6yYxMAAAAlAAAAZAAAAA8BAAAAkAAAAEgAAACQAAAASAAAAAAAAAABAAAAAAAAAAEAAABQAAAAAAAAAAAA4D8AAAAAAADgPwAAAAAAAOA/AAAAAAAA4D8AAAAAAADgPwAAAAAAAOA/AAAAAAAA4D8AAAAAAADgPwAAAAAAAOA/AAAAAAAA4D8CAAAAjAAAAAAAAAAAAAAAu+DjDP///wgAAAAAAAAAAAAAAAAAAAAAAAAAAAAAAAAAAAAAZAAAAAEAAABAAAAAAAAAAAAAAAAAAAAAAAAAAAAAAAAAAAAAAAAAAAAAAAAAAAAAAAAAAAAAAAAAAAAAAAAAAAAAAAAAAAAAAAAAAAAAAAAAAAAAAAAAAAAAAAAAAAAAFAAAADwAAAAAAAAAAAAAAAAAAAkUAAAAAQAAABQAAAAUAAAAFAAAAAEAAAAAAAAAZAAAAGQAAAAAAAAAZAAAAGQAAAAVAAAAYAAAAAAAAAAAAAAADwAAACADAAAAAAAAAAAAAAEAAACgMgAAVgcAAKr4//8BAAAAf39/AAEAAABkAAAAAAAAABQAAABAHwAAAAAAACYAAAAAAAAAwOD//wAAAAAmAAAAZAAAABYAAABMAAAAAAAAAAAAAAAEAAAAAAAAAAEAAACAgIAKAAAAACgAAAAoAAAAZAAAAGQAAAAAAAAAzMzMAAAAAABQAAAAUAAAAGQAAABkAAAAAAAAABcAAAAUAAAAAAAAAAAAAAD/fwAA/38AAAAAAAAJAAAABAAAAAMAhj4MAAAAEAAAAAAAAAAAAAAAAAAAAAAAAAAeAAAAaAAAAAAAAAAAAAAAAAAAAAAAAAAAAAAAECcAABAnAAAAAAAAAAAAAAAAAAAAAAAAAAAAAAAAAAAAAAAAAAAAABQAAAAAAAAAwMD/AAAAAABkAAAAMgAAAAAAAABkAAAAAAAAAH9/fwAKAAAAHwAAAFQAAAAAAAAFAAAAAQAAAAAAAAAAAAAAAAAAAAAAAAAAAAAAAAAAAAAAAAAAAAAAAn9/fwAAAAADzMzMAMDA/wB/f38AAAAAAAAAAAAAAAAAAAAAAAAAAAAhAAAAGAAAABQAAADQAgAAsAEAAHA1AAC4CAAAEAAAACYAAAAIAAAAAAAAAAAAAAA="/>
               </a:ext>
             </a:extLst>
           </p:cNvSpPr>
@@ -1245,7 +1246,7 @@
             <a:spLocks noGrp="1" noChangeArrowheads="1"/>
             <a:extLst>
               <a:ext uri="smNativeData">
-                <pr:smNativeData xmlns:pr="smNativeData" val="SMDATA_13_8OOwYxMAAAAlAAAAZAAAAA8BAAAAkAAAAEgAAACQAAAASAAAAAAAAAAAAAAAAAAAAAEAAABQAAAAAAAAAAAA4D8AAAAAAADgPwAAAAAAAOA/AAAAAAAA4D8AAAAAAADgPwAAAAAAAOA/AAAAAAAA4D8AAAAAAADgPwAAAAAAAOA/AAAAAAAA4D8CAAAAjAAAAAAAAAAAAAAAu+DjDP///wgAAAAAAAAAAAAAAAAAAAAAAAAAAAAAAAAAAAAAZAAAAAEAAABAAAAAAAAAAAAAAAAAAAAAAAAAAAAAAAAAAAAAAAAAAAAAAAAAAAAAAAAAAAAAAAAAAAAAAAAAAAAAAAAAAAAAAAAAAAAAAAAAAAAAAAAAAAAAAAAAAAAAFAAAADwAAAAAAAAAAAAAAAAAAAkUAAAAAQAAABQAAAAUAAAAFAAAAAEAAAAAAAAAZAAAAGQAAAAAAAAAZAAAAGQAAAAVAAAAYAAAAAAAAAAAAAAADwAAACADAAAAAAAAAAAAAAEAAACgMgAAVgcAAKr4//8BAAAAf39/AAEAAABkAAAAAAAAABQAAABAHwAAAAAAACYAAAAAAAAAwOD//wAAAAAmAAAAZAAAABYAAABMAAAAAAAAAAAAAAAEAAAAAAAAAAEAAACAgIAKAAAAACgAAAAoAAAAZAAAAGQAAAAAAAAAzMzMAAAAAABQAAAAUAAAAGQAAABkAAAAAAAAABcAAAAUAAAAAAAAAAAAAAD/fwAA/38AAAAAAAAJAAAABAAAAJJH8tUMAAAAEAAAAAAAAAAAAAAAAAAAAAAAAAAeAAAAaAAAAAAAAAAAAAAAAAAAAAAAAAAAAAAAECcAABAnAAAAAAAAAAAAAAAAAAAAAAAAAAAAAAAAAAAAAAAAAAAAABQAAAAAAAAAwMD/AAAAAABkAAAAMgAAAAAAAABkAAAAAAAAAH9/fwAKAAAAHwAAAFQAAAAAAAAFAAAAAQAAAAAAAAAAAAAAAAAAAAAAAAAAAAAAAAAAAAAAAAAAAAAAAn9/fwAAAAADzMzMAMDA/wB/f38AAAAAAAAAAAAAAAAAAAAAAAAAAAAhAAAAGAAAABQAAADQAgAA2AkAAKgbAACwJQAAEAAAACYAAAAIAAAAAYAAAAAAAAA="/>
+                <pr:smNativeData xmlns:pr="smNativeData" val="SMDATA_13_5C6yYxMAAAAlAAAAZAAAAA8BAAAAkAAAAEgAAACQAAAASAAAAAAAAAAAAAAAAAAAAAEAAABQAAAAAAAAAAAA4D8AAAAAAADgPwAAAAAAAOA/AAAAAAAA4D8AAAAAAADgPwAAAAAAAOA/AAAAAAAA4D8AAAAAAADgPwAAAAAAAOA/AAAAAAAA4D8CAAAAjAAAAAAAAAAAAAAAu+DjDP///wgAAAAAAAAAAAAAAAAAAAAAAAAAAAAAAAAAAAAAZAAAAAEAAABAAAAAAAAAAAAAAAAAAAAAAAAAAAAAAAAAAAAAAAAAAAAAAAAAAAAAAAAAAAAAAAAAAAAAAAAAAAAAAAAAAAAAAAAAAAAAAAAAAAAAAAAAAAAAAAAAAAAAFAAAADwAAAAAAAAAAAAAAAAAAAkUAAAAAQAAABQAAAAUAAAAFAAAAAEAAAAAAAAAZAAAAGQAAAAAAAAAZAAAAGQAAAAVAAAAYAAAAAAAAAAAAAAADwAAACADAAAAAAAAAAAAAAEAAACgMgAAVgcAAKr4//8BAAAAf39/AAEAAABkAAAAAAAAABQAAABAHwAAAAAAACYAAAAAAAAAwOD//wAAAAAmAAAAZAAAABYAAABMAAAAAAAAAAAAAAAEAAAAAAAAAAEAAACAgIAKAAAAACgAAAAoAAAAZAAAAGQAAAAAAAAAzMzMAAAAAABQAAAAUAAAAGQAAABkAAAAAAAAABcAAAAUAAAAAAAAAAAAAAD/fwAA/38AAAAAAAAJAAAABAAAAJJH8tUMAAAAEAAAAAAAAAAAAAAAAAAAAAAAAAAeAAAAaAAAAAAAAAAAAAAAAAAAAAAAAAAAAAAAECcAABAnAAAAAAAAAAAAAAAAAAAAAAAAAAAAAAAAAAAAAAAAAAAAABQAAAAAAAAAwMD/AAAAAABkAAAAMgAAAAAAAABkAAAAAAAAAH9/fwAKAAAAHwAAAFQAAAAAAAAFAAAAAQAAAAAAAAAAAAAAAAAAAAAAAAAAAAAAAAAAAAAAAAAAAAAAAn9/fwAAAAADzMzMAMDA/wB/f38AAAAAAAAAAAAAAAAAAAAAAAAAAAAhAAAAGAAAABQAAADQAgAA2AkAAKgbAACwJQAAEAAAACYAAAAIAAAAAYAAAAAAAAA="/>
               </a:ext>
             </a:extLst>
           </p:cNvSpPr>
@@ -1329,7 +1330,7 @@
             <a:spLocks noGrp="1" noChangeArrowheads="1"/>
             <a:extLst>
               <a:ext uri="smNativeData">
-                <pr:smNativeData xmlns:pr="smNativeData" val="SMDATA_13_8OOwYxMAAAAlAAAAZAAAAA8BAAAAkAAAAEgAAACQAAAASAAAAAAAAAAAAAAAAAAAAAEAAABQAAAAAAAAAAAA4D8AAAAAAADgPwAAAAAAAOA/AAAAAAAA4D8AAAAAAADgPwAAAAAAAOA/AAAAAAAA4D8AAAAAAADgPwAAAAAAAOA/AAAAAAAA4D8CAAAAjAAAAAAAAAAAAAAAu+DjDP///wgAAAAAAAAAAAAAAAAAAAAAAAAAAAAAAAAAAAAAZAAAAAEAAABAAAAAAAAAAAAAAAAAAAAAAAAAAAAAAAAAAAAAAAAAAAAAAAAAAAAAAAAAAAAAAAAAAAAAAAAAAAAAAAAAAAAAAAAAAAAAAAAAAAAAAAAAAAAAAAAAAAAAFAAAADwAAAAAAAAAAAAAAAAAAAkUAAAAAQAAABQAAAAUAAAAFAAAAAEAAAAAAAAAZAAAAGQAAAAAAAAAZAAAAGQAAAAVAAAAYAAAAAAAAAAAAAAADwAAACADAAAAAAAAAAAAAAEAAACgMgAAVgcAAKr4//8BAAAAf39/AAEAAABkAAAAAAAAABQAAABAHwAAAAAAACYAAAAAAAAAwOD//wAAAAAmAAAAZAAAABYAAABMAAAAAAAAAAAAAAAEAAAAAAAAAAEAAACAgIAKAAAAACgAAAAoAAAAZAAAAGQAAAAAAAAAzMzMAAAAAABQAAAAUAAAAGQAAABkAAAAAAAAABcAAAAUAAAAAAAAAAAAAAD/fwAA/38AAAAAAAAJAAAABAAAAO8vAwAMAAAAEAAAAAAAAAAAAAAAAAAAAAAAAAAeAAAAaAAAAAAAAAAAAAAAAAAAAAAAAAAAAAAAECcAABAnAAAAAAAAAAAAAAAAAAAAAAAAAAAAAAAAAAAAAAAAAAAAABQAAAAAAAAAwMD/AAAAAABkAAAAMgAAAAAAAABkAAAAAAAAAH9/fwAKAAAAHwAAAFQAAAAAAAAFAAAAAQAAAAAAAAAAAAAAAAAAAAAAAAAAAAAAAAAAAAAAAAAAAAAAAn9/fwAAAAADzMzMAMDA/wB/f38AAAAAAAAAAAAAAAAAAAAAAAAAAAAhAAAAGAAAABQAAACYHAAA2AkAAHA1AACwJQAAEAAAACYAAAAIAAAAAYAAAAAAAAA="/>
+                <pr:smNativeData xmlns:pr="smNativeData" val="SMDATA_13_5C6yYxMAAAAlAAAAZAAAAA8BAAAAkAAAAEgAAACQAAAASAAAAAAAAAAAAAAAAAAAAAEAAABQAAAAAAAAAAAA4D8AAAAAAADgPwAAAAAAAOA/AAAAAAAA4D8AAAAAAADgPwAAAAAAAOA/AAAAAAAA4D8AAAAAAADgPwAAAAAAAOA/AAAAAAAA4D8CAAAAjAAAAAAAAAAAAAAAu+DjDP///wgAAAAAAAAAAAAAAAAAAAAAAAAAAAAAAAAAAAAAZAAAAAEAAABAAAAAAAAAAAAAAAAAAAAAAAAAAAAAAAAAAAAAAAAAAAAAAAAAAAAAAAAAAAAAAAAAAAAAAAAAAAAAAAAAAAAAAAAAAAAAAAAAAAAAAAAAAAAAAAAAAAAAFAAAADwAAAAAAAAAAAAAAAAAAAkUAAAAAQAAABQAAAAUAAAAFAAAAAEAAAAAAAAAZAAAAGQAAAAAAAAAZAAAAGQAAAAVAAAAYAAAAAAAAAAAAAAADwAAACADAAAAAAAAAAAAAAEAAACgMgAAVgcAAKr4//8BAAAAf39/AAEAAABkAAAAAAAAABQAAABAHwAAAAAAACYAAAAAAAAAwOD//wAAAAAmAAAAZAAAABYAAABMAAAAAAAAAAAAAAAEAAAAAAAAAAEAAACAgIAKAAAAACgAAAAoAAAAZAAAAGQAAAAAAAAAzMzMAAAAAABQAAAAUAAAAGQAAABkAAAAAAAAABcAAAAUAAAAAAAAAAAAAAD/fwAA/38AAAAAAAAJAAAABAAAAO8vAwAMAAAAEAAAAAAAAAAAAAAAAAAAAAAAAAAeAAAAaAAAAAAAAAAAAAAAAAAAAAAAAAAAAAAAECcAABAnAAAAAAAAAAAAAAAAAAAAAAAAAAAAAAAAAAAAAAAAAAAAABQAAAAAAAAAwMD/AAAAAABkAAAAMgAAAAAAAABkAAAAAAAAAH9/fwAKAAAAHwAAAFQAAAAAAAAFAAAAAQAAAAAAAAAAAAAAAAAAAAAAAAAAAAAAAAAAAAAAAAAAAAAAAn9/fwAAAAADzMzMAMDA/wB/f38AAAAAAAAAAAAAAAAAAAAAAAAAAAAhAAAAGAAAABQAAACYHAAA2AkAAHA1AACwJQAAEAAAACYAAAAIAAAAAYAAAAAAAAA="/>
               </a:ext>
             </a:extLst>
           </p:cNvSpPr>
@@ -1413,7 +1414,7 @@
             <a:spLocks noGrp="1" noChangeArrowheads="1"/>
             <a:extLst>
               <a:ext uri="smNativeData">
-                <pr:smNativeData xmlns:pr="smNativeData" val="SMDATA_13_8OOwYxMAAAAlAAAAZAAAAA8BAAAAkAAAAEgAAACQAAAASAAAAAAAAAABAAAAAAAAAAEAAABQAAAAAAAAAAAA4D8AAAAAAADgPwAAAAAAAOA/AAAAAAAA4D8AAAAAAADgPwAAAAAAAOA/AAAAAAAA4D8AAAAAAADgPwAAAAAAAOA/AAAAAAAA4D8CAAAAjAAAAAAAAAAAAAAAu+DjDP///wgAAAAAAAAAAAAAAAAAAAAAAAAAAAAAAAAAAAAAZAAAAAEAAABAAAAAAAAAAAAAAAAAAAAAAAAAAAAAAAAAAAAAAAAAAAAAAAAAAAAAAAAAAAAAAAAAAAAAAAAAAAAAAAAAAAAAAAAAAAAAAAAAAAAAAAAAAAAAAAAAAAAAFAAAADwAAAAAAAAAAAAAAAAAAAkUAAAAAQAAABQAAAAUAAAAFAAAAAEAAAAAAAAAZAAAAGQAAAAAAAAAZAAAAGQAAAAVAAAAYAAAAAAAAAAAAAAADwAAACADAAAAAAAAAAAAAAEAAACgMgAAVgcAAKr4//8BAAAAf39/AAEAAABkAAAAAAAAABQAAABAHwAAAAAAACYAAAAAAAAAwOD//wAAAAAmAAAAZAAAABYAAABMAAAAAAAAAAAAAAAEAAAAAAAAAAEAAACAgIAKAAAAACgAAAAoAAAAZAAAAGQAAAAAAAAAzMzMAAAAAABQAAAAUAAAAGQAAABkAAAAAAAAABcAAAAUAAAAAAAAAAAAAAD/fwAA/38AAAAAAAAJAAAABAAAAAMAf0oMAAAAEAAAAAAAAAAAAAAAAAAAAAAAAAAeAAAAaAAAAAAAAAAAAAAAAAAAAAAAAAAAAAAAECcAABAnAAAAAAAAAAAAAAAAAAAAAAAAAAAAAAAAAAAAAAAAAAAAABQAAAAAAAAAwMD/AAAAAABkAAAAMgAAAAAAAABkAAAAAAAAAH9/fwAKAAAAHwAAAFQAAAAAAAAFAAAAAQAAAAAAAAAAAAAAAAAAAAAAAAAAAAAAAAAAAAAAAAAAAAAAAn9/fwAAAAADzMzMAMDA/wB/f38AAAAAAAAAAAAAAAAAAAAAAAAAAAAhAAAAGAAAABQAAADQAgAAGycAAPAPAABZKQAAEAAAACYAAAAIAAAAAAAAAAAAAAA="/>
+                <pr:smNativeData xmlns:pr="smNativeData" val="SMDATA_13_5C6yYxMAAAAlAAAAZAAAAA8BAAAAkAAAAEgAAACQAAAASAAAAAAAAAABAAAAAAAAAAEAAABQAAAAAAAAAAAA4D8AAAAAAADgPwAAAAAAAOA/AAAAAAAA4D8AAAAAAADgPwAAAAAAAOA/AAAAAAAA4D8AAAAAAADgPwAAAAAAAOA/AAAAAAAA4D8CAAAAjAAAAAAAAAAAAAAAu+DjDP///wgAAAAAAAAAAAAAAAAAAAAAAAAAAAAAAAAAAAAAZAAAAAEAAABAAAAAAAAAAAAAAAAAAAAAAAAAAAAAAAAAAAAAAAAAAAAAAAAAAAAAAAAAAAAAAAAAAAAAAAAAAAAAAAAAAAAAAAAAAAAAAAAAAAAAAAAAAAAAAAAAAAAAFAAAADwAAAAAAAAAAAAAAAAAAAkUAAAAAQAAABQAAAAUAAAAFAAAAAEAAAAAAAAAZAAAAGQAAAAAAAAAZAAAAGQAAAAVAAAAYAAAAAAAAAAAAAAADwAAACADAAAAAAAAAAAAAAEAAACgMgAAVgcAAKr4//8BAAAAf39/AAEAAABkAAAAAAAAABQAAABAHwAAAAAAACYAAAAAAAAAwOD//wAAAAAmAAAAZAAAABYAAABMAAAAAAAAAAAAAAAEAAAAAAAAAAEAAACAgIAKAAAAACgAAAAoAAAAZAAAAGQAAAAAAAAAzMzMAAAAAABQAAAAUAAAAGQAAABkAAAAAAAAABcAAAAUAAAAAAAAAAAAAAD/fwAA/38AAAAAAAAJAAAABAAAAAMAf0oMAAAAEAAAAAAAAAAAAAAAAAAAAAAAAAAeAAAAaAAAAAAAAAAAAAAAAAAAAAAAAAAAAAAAECcAABAnAAAAAAAAAAAAAAAAAAAAAAAAAAAAAAAAAAAAAAAAAAAAABQAAAAAAAAAwMD/AAAAAABkAAAAMgAAAAAAAABkAAAAAAAAAH9/fwAKAAAAHwAAAFQAAAAAAAAFAAAAAQAAAAAAAAAAAAAAAAAAAAAAAAAAAAAAAAAAAAAAAAAAAAAAAn9/fwAAAAADzMzMAMDA/wB/f38AAAAAAAAAAAAAAAAAAAAAAAAAAAAhAAAAGAAAABQAAADQAgAAGycAAPAPAABZKQAAEAAAACYAAAAIAAAAAAAAAAAAAAA="/>
               </a:ext>
             </a:extLst>
           </p:cNvSpPr>
@@ -1427,7 +1428,7 @@
           <a:lstStyle/>
           <a:p>
             <a:pPr/>
-            <a:fld id="{0B3B68DD-93E6-6E9E-A883-65CB26CD5E30}" type="datetime1">
+            <a:fld id="{06344238-76EB-61B4-A58C-80E10CC253D5}" type="datetime1">
               <a:t/>
             </a:fld>
           </a:p>
@@ -1440,7 +1441,7 @@
             <a:spLocks noGrp="1" noChangeArrowheads="1"/>
             <a:extLst>
               <a:ext uri="smNativeData">
-                <pr:smNativeData xmlns:pr="smNativeData" val="SMDATA_13_8OOwYxMAAAAlAAAAZAAAAA8BAAAAkAAAAEgAAACQAAAASAAAAAAAAAABAAAAAAAAAAEAAABQAAAAAAAAAAAA4D8AAAAAAADgPwAAAAAAAOA/AAAAAAAA4D8AAAAAAADgPwAAAAAAAOA/AAAAAAAA4D8AAAAAAADgPwAAAAAAAOA/AAAAAAAA4D8CAAAAjAAAAAAAAAAAAAAAu+DjDP///wgAAAAAAAAAAAAAAAAAAAAAAAAAAAAAAAAAAAAAZAAAAAEAAABAAAAAAAAAAAAAAAAAAAAAAAAAAAAAAAAAAAAAAAAAAAAAAAAAAAAAAAAAAAAAAAAAAAAAAAAAAAAAAAAAAAAAAAAAAAAAAAAAAAAAAAAAAAAAAAAAAAAAFAAAADwAAAAAAAAAAAAAAAAAAAkUAAAAAQAAABQAAAAUAAAAFAAAAAEAAAAAAAAAZAAAAGQAAAAAAAAAZAAAAGQAAAAVAAAAYAAAAAAAAAAAAAAADwAAACADAAAAAAAAAAAAAAEAAACgMgAAVgcAAKr4//8BAAAAf39/AAEAAABkAAAAAAAAABQAAABAHwAAAAAAACYAAAAAAAAAwOD//wAAAAAmAAAAZAAAABYAAABMAAAAAAAAAAAAAAAEAAAAAAAAAAEAAACAgIAKAAAAACgAAAAoAAAAZAAAAGQAAAAAAAAAzMzMAAAAAABQAAAAUAAAAGQAAABkAAAAAAAAABcAAAAUAAAAAAAAAAAAAAD/fwAA/38AAAAAAAAJAAAABAAAABMRBAAMAAAAEAAAAAAAAAAAAAAAAAAAAAAAAAAeAAAAaAAAAAAAAAAAAAAAAAAAAAAAAAAAAAAAECcAABAnAAAAAAAAAAAAAAAAAAAAAAAAAAAAAAAAAAAAAAAAAAAAABQAAAAAAAAAwMD/AAAAAABkAAAAMgAAAAAAAABkAAAAAAAAAH9/fwAKAAAAHwAAAFQAAAAAAAAFAAAAAQAAAAAAAAAAAAAAAAAAAAAAAAAAAAAAAAAAAAAAAAAAAAAAAn9/fwAAAAADzMzMAMDA/wB/f38AAAAAAAAAAAAAAAAAAAAAAAAAAAAhAAAAGAAAABQAAAA4EwAAGycAAAglAABZKQAAEAAAACYAAAAIAAAAAAAAAAAAAAA="/>
+                <pr:smNativeData xmlns:pr="smNativeData" val="SMDATA_13_5C6yYxMAAAAlAAAAZAAAAA8BAAAAkAAAAEgAAACQAAAASAAAAAAAAAABAAAAAAAAAAEAAABQAAAAAAAAAAAA4D8AAAAAAADgPwAAAAAAAOA/AAAAAAAA4D8AAAAAAADgPwAAAAAAAOA/AAAAAAAA4D8AAAAAAADgPwAAAAAAAOA/AAAAAAAA4D8CAAAAjAAAAAAAAAAAAAAAu+DjDP///wgAAAAAAAAAAAAAAAAAAAAAAAAAAAAAAAAAAAAAZAAAAAEAAABAAAAAAAAAAAAAAAAAAAAAAAAAAAAAAAAAAAAAAAAAAAAAAAAAAAAAAAAAAAAAAAAAAAAAAAAAAAAAAAAAAAAAAAAAAAAAAAAAAAAAAAAAAAAAAAAAAAAAFAAAADwAAAAAAAAAAAAAAAAAAAkUAAAAAQAAABQAAAAUAAAAFAAAAAEAAAAAAAAAZAAAAGQAAAAAAAAAZAAAAGQAAAAVAAAAYAAAAAAAAAAAAAAADwAAACADAAAAAAAAAAAAAAEAAACgMgAAVgcAAKr4//8BAAAAf39/AAEAAABkAAAAAAAAABQAAABAHwAAAAAAACYAAAAAAAAAwOD//wAAAAAmAAAAZAAAABYAAABMAAAAAAAAAAAAAAAEAAAAAAAAAAEAAACAgIAKAAAAACgAAAAoAAAAZAAAAGQAAAAAAAAAzMzMAAAAAABQAAAAUAAAAGQAAABkAAAAAAAAABcAAAAUAAAAAAAAAAAAAAD/fwAA/38AAAAAAAAJAAAABAAAABMRBAAMAAAAEAAAAAAAAAAAAAAAAAAAAAAAAAAeAAAAaAAAAAAAAAAAAAAAAAAAAAAAAAAAAAAAECcAABAnAAAAAAAAAAAAAAAAAAAAAAAAAAAAAAAAAAAAAAAAAAAAABQAAAAAAAAAwMD/AAAAAABkAAAAMgAAAAAAAABkAAAAAAAAAH9/fwAKAAAAHwAAAFQAAAAAAAAFAAAAAQAAAAAAAAAAAAAAAAAAAAAAAAAAAAAAAAAAAAAAAAAAAAAAAn9/fwAAAAADzMzMAMDA/wB/f38AAAAAAAAAAAAAAAAAAAAAAAAAAAAhAAAAGAAAABQAAAA4EwAAGycAAAglAABZKQAAEAAAACYAAAAIAAAAAAAAAAAAAAA="/>
               </a:ext>
             </a:extLst>
           </p:cNvSpPr>
@@ -1464,7 +1465,7 @@
             <a:spLocks noGrp="1" noChangeArrowheads="1"/>
             <a:extLst>
               <a:ext uri="smNativeData">
-                <pr:smNativeData xmlns:pr="smNativeData" val="SMDATA_13_8OOwYxMAAAAlAAAAZAAAAA8BAAAAkAAAAEgAAACQAAAASAAAAAAAAAABAAAAAAAAAAEAAABQAAAAAAAAAAAA4D8AAAAAAADgPwAAAAAAAOA/AAAAAAAA4D8AAAAAAADgPwAAAAAAAOA/AAAAAAAA4D8AAAAAAADgPwAAAAAAAOA/AAAAAAAA4D8CAAAAjAAAAAAAAAAAAAAAu+DjDP///wgAAAAAAAAAAAAAAAAAAAAAAAAAAAAAAAAAAAAAZAAAAAEAAABAAAAAAAAAAAAAAAAAAAAAAAAAAAAAAAAAAAAAAAAAAAAAAAAAAAAAAAAAAAAAAAAAAAAAAAAAAAAAAAAAAAAAAAAAAAAAAAAAAAAAAAAAAAAAAAAAAAAAFAAAADwAAAAAAAAAAAAAAAAAAAkUAAAAAQAAABQAAAAUAAAAFAAAAAEAAAAAAAAAZAAAAGQAAAAAAAAAZAAAAGQAAAAVAAAAYAAAAAAAAAAAAAAADwAAACADAAAAAAAAAAAAAAEAAACgMgAAVgcAAKr4//8BAAAAf39/AAEAAABkAAAAAAAAABQAAABAHwAAAAAAACYAAAAAAAAAwOD//wAAAAAmAAAAZAAAABYAAABMAAAAAAAAAAAAAAAEAAAAAAAAAAEAAACAgIAKAAAAACgAAAAoAAAAZAAAAGQAAAAAAAAAzMzMAAAAAABQAAAAUAAAAGQAAABkAAAAAAAAABcAAAAUAAAAAAAAAAAAAAD/fwAA/38AAAAAAAAJAAAABAAAAL5dAwAMAAAAEAAAAAAAAAAAAAAAAAAAAAAAAAAeAAAAaAAAAAAAAAAAAAAAAAAAAAAAAAAAAAAAECcAABAnAAAAAAAAAAAAAAAAAAAAAAAAAAAAAAAAAAAAAAAAAAAAABQAAAAAAAAAwMD/AAAAAABkAAAAMgAAAAAAAABkAAAAAAAAAH9/fwAKAAAAHwAAAFQAAAAAAAAFAAAAAQAAAAAAAAAAAAAAAAAAAAAAAAAAAAAAAAAAAAAAAAAAAAAAAn9/fwAAAAADzMzMAMDA/wB/f38AAAAAAAAAAAAAAAAAAAAAAAAAAAAhAAAAGAAAABQAAABQKAAAGycAAHA1AABZKQAAEAAAACYAAAAIAAAAAAAAAAAAAAA="/>
+                <pr:smNativeData xmlns:pr="smNativeData" val="SMDATA_13_5C6yYxMAAAAlAAAAZAAAAA8BAAAAkAAAAEgAAACQAAAASAAAAAAAAAABAAAAAAAAAAEAAABQAAAAAAAAAAAA4D8AAAAAAADgPwAAAAAAAOA/AAAAAAAA4D8AAAAAAADgPwAAAAAAAOA/AAAAAAAA4D8AAAAAAADgPwAAAAAAAOA/AAAAAAAA4D8CAAAAjAAAAAAAAAAAAAAAu+DjDP///wgAAAAAAAAAAAAAAAAAAAAAAAAAAAAAAAAAAAAAZAAAAAEAAABAAAAAAAAAAAAAAAAAAAAAAAAAAAAAAAAAAAAAAAAAAAAAAAAAAAAAAAAAAAAAAAAAAAAAAAAAAAAAAAAAAAAAAAAAAAAAAAAAAAAAAAAAAAAAAAAAAAAAFAAAADwAAAAAAAAAAAAAAAAAAAkUAAAAAQAAABQAAAAUAAAAFAAAAAEAAAAAAAAAZAAAAGQAAAAAAAAAZAAAAGQAAAAVAAAAYAAAAAAAAAAAAAAADwAAACADAAAAAAAAAAAAAAEAAACgMgAAVgcAAKr4//8BAAAAf39/AAEAAABkAAAAAAAAABQAAABAHwAAAAAAACYAAAAAAAAAwOD//wAAAAAmAAAAZAAAABYAAABMAAAAAAAAAAAAAAAEAAAAAAAAAAEAAACAgIAKAAAAACgAAAAoAAAAZAAAAGQAAAAAAAAAzMzMAAAAAABQAAAAUAAAAGQAAABkAAAAAAAAABcAAAAUAAAAAAAAAAAAAAD/fwAA/38AAAAAAAAJAAAABAAAAL5dAwAMAAAAEAAAAAAAAAAAAAAAAAAAAAAAAAAeAAAAaAAAAAAAAAAAAAAAAAAAAAAAAAAAAAAAECcAABAnAAAAAAAAAAAAAAAAAAAAAAAAAAAAAAAAAAAAAAAAAAAAABQAAAAAAAAAwMD/AAAAAABkAAAAMgAAAAAAAABkAAAAAAAAAH9/fwAKAAAAHwAAAFQAAAAAAAAFAAAAAQAAAAAAAAAAAAAAAAAAAAAAAAAAAAAAAAAAAAAAAAAAAAAAAn9/fwAAAAADzMzMAMDA/wB/f38AAAAAAAAAAAAAAAAAAAAAAAAAAAAhAAAAGAAAABQAAABQKAAAGycAAHA1AABZKQAAEAAAACYAAAAIAAAAAAAAAAAAAAA="/>
               </a:ext>
             </a:extLst>
           </p:cNvSpPr>
@@ -1478,7 +1479,7 @@
           <a:lstStyle/>
           <a:p>
             <a:pPr/>
-            <a:fld id="{0B3B292E-60E6-6EDF-A883-968A67CD5EC3}" type="slidenum">
+            <a:fld id="{06345535-7BEB-61A3-A58C-8DF61BC253D8}" type="slidenum">
               <a:t/>
             </a:fld>
           </a:p>
@@ -1516,7 +1517,7 @@
             <a:spLocks noGrp="1" noChangeArrowheads="1"/>
             <a:extLst>
               <a:ext uri="smNativeData">
-                <pr:smNativeData xmlns:pr="smNativeData" val="SMDATA_13_8OOwYxMAAAAlAAAAZAAAAA8BAAAAkAAAAEgAAACQAAAASAAAAAAAAAABAAAAAAAAAAEAAABQAAAAAAAAAAAA4D8AAAAAAADgPwAAAAAAAOA/AAAAAAAA4D8AAAAAAADgPwAAAAAAAOA/AAAAAAAA4D8AAAAAAADgPwAAAAAAAOA/AAAAAAAA4D8CAAAAjAAAAAAAAAAAAAAAu+DjDP///wgAAAAAAAAAAAAAAAAAAAAAAAAAAAAAAAAAAAAAZAAAAAEAAABAAAAAAAAAAAAAAAAAAAAAAAAAAAAAAAAAAAAAAAAAAAAAAAAAAAAAAAAAAAAAAAAAAAAAAAAAAAAAAAAAAAAAAAAAAAAAAAAAAAAAAAAAAAAAAAAAAAAAFAAAADwAAAAAAAAAAAAAAAAAAAkUAAAAAQAAABQAAAAUAAAAFAAAAAEAAAAAAAAAZAAAAGQAAAAAAAAAZAAAAGQAAAAVAAAAYAAAAAAAAAAAAAAADwAAACADAAAAAAAAAAAAAAEAAACgMgAAVgcAAKr4//8BAAAAf39/AAEAAABkAAAAAAAAABQAAABAHwAAAAAAACYAAAAAAAAAwOD//wAAAAAmAAAAZAAAABYAAABMAAAAAAAAAAAAAAAEAAAAAAAAAAEAAACAgIAKAAAAACgAAAAoAAAAZAAAAGQAAAAAAAAAzMzMAAAAAABQAAAAUAAAAGQAAABkAAAAAAAAABcAAAAUAAAAAAAAAAAAAAD/fwAA/38AAAAAAAAJAAAABAAAAAQAxWgMAAAAEAAAAAAAAAAAAAAAAAAAAAAAAAAeAAAAaAAAAAAAAAAAAAAAAAAAAAAAAAAAAAAAECcAABAnAAAAAAAAAAAAAAAAAAAAAAAAAAAAAAAAAAAAAAAAAAAAABQAAAAAAAAAwMD/AAAAAABkAAAAMgAAAAAAAABkAAAAAAAAAH9/fwAKAAAAHwAAAFQAAAAAAAAFAAAAAQAAAAAAAAAAAAAAAAAAAAAAAAAAAAAAAAAAAAAAAAAAAAAAAn9/fwAAAAADzMzMAMDA/wB/f38AAAAAAAAAAAAAAAAAAAAAAAAAAAAhAAAAGAAAABQAAADQAgAAsAEAAHA1AAC4CAAAEAAAACYAAAAIAAAAAAAAAAAAAAA="/>
+                <pr:smNativeData xmlns:pr="smNativeData" val="SMDATA_13_5C6yYxMAAAAlAAAAZAAAAA8BAAAAkAAAAEgAAACQAAAASAAAAAAAAAABAAAAAAAAAAEAAABQAAAAAAAAAAAA4D8AAAAAAADgPwAAAAAAAOA/AAAAAAAA4D8AAAAAAADgPwAAAAAAAOA/AAAAAAAA4D8AAAAAAADgPwAAAAAAAOA/AAAAAAAA4D8CAAAAjAAAAAAAAAAAAAAAu+DjDP///wgAAAAAAAAAAAAAAAAAAAAAAAAAAAAAAAAAAAAAZAAAAAEAAABAAAAAAAAAAAAAAAAAAAAAAAAAAAAAAAAAAAAAAAAAAAAAAAAAAAAAAAAAAAAAAAAAAAAAAAAAAAAAAAAAAAAAAAAAAAAAAAAAAAAAAAAAAAAAAAAAAAAAFAAAADwAAAAAAAAAAAAAAAAAAAkUAAAAAQAAABQAAAAUAAAAFAAAAAEAAAAAAAAAZAAAAGQAAAAAAAAAZAAAAGQAAAAVAAAAYAAAAAAAAAAAAAAADwAAACADAAAAAAAAAAAAAAEAAACgMgAAVgcAAKr4//8BAAAAf39/AAEAAABkAAAAAAAAABQAAABAHwAAAAAAACYAAAAAAAAAwOD//wAAAAAmAAAAZAAAABYAAABMAAAAAAAAAAAAAAAEAAAAAAAAAAEAAACAgIAKAAAAACgAAAAoAAAAZAAAAGQAAAAAAAAAzMzMAAAAAABQAAAAUAAAAGQAAABkAAAAAAAAABcAAAAUAAAAAAAAAAAAAAD/fwAA/38AAAAAAAAJAAAABAAAAAQAxWgMAAAAEAAAAAAAAAAAAAAAAAAAAAAAAAAeAAAAaAAAAAAAAAAAAAAAAAAAAAAAAAAAAAAAECcAABAnAAAAAAAAAAAAAAAAAAAAAAAAAAAAAAAAAAAAAAAAAAAAABQAAAAAAAAAwMD/AAAAAABkAAAAMgAAAAAAAABkAAAAAAAAAH9/fwAKAAAAHwAAAFQAAAAAAAAFAAAAAQAAAAAAAAAAAAAAAAAAAAAAAAAAAAAAAAAAAAAAAAAAAAAAAn9/fwAAAAADzMzMAMDA/wB/f38AAAAAAAAAAAAAAAAAAAAAAAAAAAAhAAAAGAAAABQAAADQAgAAsAEAAHA1AAC4CAAAEAAAACYAAAAIAAAAAAAAAAAAAAA="/>
               </a:ext>
             </a:extLst>
           </p:cNvSpPr>
@@ -1543,7 +1544,7 @@
             <a:spLocks noGrp="1" noChangeArrowheads="1"/>
             <a:extLst>
               <a:ext uri="smNativeData">
-                <pr:smNativeData xmlns:pr="smNativeData" val="SMDATA_13_8OOwYxMAAAAlAAAAZAAAAA8BAAAAkAAAAEgAAACQAAAASAAAAAAAAAACAAAAAAAAAAEAAABQAAAAAAAAAAAA4D8AAAAAAADgPwAAAAAAAOA/AAAAAAAA4D8AAAAAAADgPwAAAAAAAOA/AAAAAAAA4D8AAAAAAADgPwAAAAAAAOA/AAAAAAAA4D8CAAAAjAAAAAAAAAAAAAAAu+DjDP///wgAAAAAAAAAAAAAAAAAAAAAAAAAAAAAAAAAAAAAZAAAAAEAAABAAAAAAAAAAAAAAAAAAAAAAAAAAAAAAAAAAAAAAAAAAAAAAAAAAAAAAAAAAAAAAAAAAAAAAAAAAAAAAAAAAAAAAAAAAAAAAAAAAAAAAAAAAAAAAAAAAAAAFAAAADwAAAAAAAAAAAAAAAAAAAkUAAAAAQAAABQAAAAUAAAAFAAAAAEAAAAAAAAAZAAAAGQAAAAAAAAAZAAAAGQAAAAVAAAAYAAAAAAAAAAAAAAADwAAACADAAAAAAAAAAAAAAEAAACgMgAAVgcAAKr4//8BAAAAf39/AAEAAABkAAAAAAAAABQAAABAHwAAAAAAACYAAAAAAAAAwOD//wAAAAAmAAAAZAAAABYAAABMAAAAAAAAAAAAAAAEAAAAAAAAAAEAAACAgIAKAAAAACgAAAAoAAAAZAAAAGQAAAAAAAAAzMzMAAAAAABQAAAAUAAAAGQAAABkAAAAAAAAABcAAAAUAAAAAAAAAAAAAAD/fwAA/38AAAAAAAAJAAAABAAAAAMAbkEMAAAAEAAAAAAAAAAAAAAAAAAAAAAAAAAeAAAAaAAAAAAAAAAAAAAAAAAAAAAAAAAAAAAAECcAABAnAAAAAAAAAAAAAAAAAAAAAAAAAAAAAAAAAAAAAAAAAAAAABQAAAAAAAAAwMD/AAAAAABkAAAAMgAAAAAAAABkAAAAAAAAAH9/fwAKAAAAHwAAAFQAAAAAAAAFAAAAAQAAAAAAAAAAAAAAAAAAAAAAAAAAAAAAAAAAAAAAAAAAAAAAAn9/fwAAAAADzMzMAMDA/wB/f38AAAAAAAAAAAAAAAAAAAAAAAAAAAAhAAAAGAAAABQAAADQAgAAcQkAAKobAABhDQAAEAAAACYAAAAIAAAAgYAAAAAAAAA="/>
+                <pr:smNativeData xmlns:pr="smNativeData" val="SMDATA_13_5C6yYxMAAAAlAAAAZAAAAA8BAAAAkAAAAEgAAACQAAAASAAAAAAAAAACAAAAAAAAAAEAAABQAAAAAAAAAAAA4D8AAAAAAADgPwAAAAAAAOA/AAAAAAAA4D8AAAAAAADgPwAAAAAAAOA/AAAAAAAA4D8AAAAAAADgPwAAAAAAAOA/AAAAAAAA4D8CAAAAjAAAAAAAAAAAAAAAu+DjDP///wgAAAAAAAAAAAAAAAAAAAAAAAAAAAAAAAAAAAAAZAAAAAEAAABAAAAAAAAAAAAAAAAAAAAAAAAAAAAAAAAAAAAAAAAAAAAAAAAAAAAAAAAAAAAAAAAAAAAAAAAAAAAAAAAAAAAAAAAAAAAAAAAAAAAAAAAAAAAAAAAAAAAAFAAAADwAAAAAAAAAAAAAAAAAAAkUAAAAAQAAABQAAAAUAAAAFAAAAAEAAAAAAAAAZAAAAGQAAAAAAAAAZAAAAGQAAAAVAAAAYAAAAAAAAAAAAAAADwAAACADAAAAAAAAAAAAAAEAAACgMgAAVgcAAKr4//8BAAAAf39/AAEAAABkAAAAAAAAABQAAABAHwAAAAAAACYAAAAAAAAAwOD//wAAAAAmAAAAZAAAABYAAABMAAAAAAAAAAAAAAAEAAAAAAAAAAEAAACAgIAKAAAAACgAAAAoAAAAZAAAAGQAAAAAAAAAzMzMAAAAAABQAAAAUAAAAGQAAABkAAAAAAAAABcAAAAUAAAAAAAAAAAAAAD/fwAA/38AAAAAAAAJAAAABAAAAAMAbkEMAAAAEAAAAAAAAAAAAAAAAAAAAAAAAAAeAAAAaAAAAAAAAAAAAAAAAAAAAAAAAAAAAAAAECcAABAnAAAAAAAAAAAAAAAAAAAAAAAAAAAAAAAAAAAAAAAAAAAAABQAAAAAAAAAwMD/AAAAAABkAAAAMgAAAAAAAABkAAAAAAAAAH9/fwAKAAAAHwAAAFQAAAAAAAAFAAAAAQAAAAAAAAAAAAAAAAAAAAAAAAAAAAAAAAAAAAAAAAAAAAAAAn9/fwAAAAADzMzMAMDA/wB/f38AAAAAAAAAAAAAAAAAAAAAAAAAAAAhAAAAGAAAABQAAADQAgAAcQkAAKobAABhDQAAEAAAACYAAAAIAAAAgYAAAAAAAAA="/>
               </a:ext>
             </a:extLst>
           </p:cNvSpPr>
@@ -1616,7 +1617,7 @@
             <a:spLocks noGrp="1" noChangeArrowheads="1"/>
             <a:extLst>
               <a:ext uri="smNativeData">
-                <pr:smNativeData xmlns:pr="smNativeData" val="SMDATA_13_8OOwYxMAAAAlAAAAZAAAAA8BAAAAkAAAAEgAAACQAAAASAAAAAAAAAAAAAAAAAAAAAEAAABQAAAAAAAAAAAA4D8AAAAAAADgPwAAAAAAAOA/AAAAAAAA4D8AAAAAAADgPwAAAAAAAOA/AAAAAAAA4D8AAAAAAADgPwAAAAAAAOA/AAAAAAAA4D8CAAAAjAAAAAAAAAAAAAAAu+DjDP///wgAAAAAAAAAAAAAAAAAAAAAAAAAAAAAAAAAAAAAZAAAAAEAAABAAAAAAAAAAAAAAAAAAAAAAAAAAAAAAAAAAAAAAAAAAAAAAAAAAAAAAAAAAAAAAAAAAAAAAAAAAAAAAAAAAAAAAAAAAAAAAAAAAAAAAAAAAAAAAAAAAAAAFAAAADwAAAAAAAAAAAAAAAAAAAkUAAAAAQAAABQAAAAUAAAAFAAAAAEAAAAAAAAAZAAAAGQAAAAAAAAAZAAAAGQAAAAVAAAAYAAAAAAAAAAAAAAADwAAACADAAAAAAAAAAAAAAEAAACgMgAAVgcAAKr4//8BAAAAf39/AAEAAABkAAAAAAAAABQAAABAHwAAAAAAACYAAAAAAAAAwOD//wAAAAAmAAAAZAAAABYAAABMAAAAAAAAAAAAAAAEAAAAAAAAAAEAAACAgIAKAAAAACgAAAAoAAAAZAAAAGQAAAAAAAAAzMzMAAAAAABQAAAAUAAAAGQAAABkAAAAAAAAABcAAAAUAAAAAAAAAAAAAAD/fwAA/38AAAAAAAAJAAAABAAAAAMAhUEMAAAAEAAAAAAAAAAAAAAAAAAAAAAAAAAeAAAAaAAAAAAAAAAAAAAAAAAAAAAAAAAAAAAAECcAABAnAAAAAAAAAAAAAAAAAAAAAAAAAAAAAAAAAAAAAAAAAAAAABQAAAAAAAAAwMD/AAAAAABkAAAAMgAAAAAAAABkAAAAAAAAAH9/fwAKAAAAHwAAAFQAAAAAAAAFAAAAAQAAAAAAAAAAAAAAAAAAAAAAAAAAAAAAAAAAAAAAAAAAAAAAAn9/fwAAAAADzMzMAMDA/wB/f38AAAAAAAAAAAAAAAAAAAAAAAAAAAAhAAAAGAAAABQAAADQAgAAYQ0AAKobAACwJQAAEAAAACYAAAAIAAAAAYAAAAAAAAA="/>
+                <pr:smNativeData xmlns:pr="smNativeData" val="SMDATA_13_5C6yYxMAAAAlAAAAZAAAAA8BAAAAkAAAAEgAAACQAAAASAAAAAAAAAAAAAAAAAAAAAEAAABQAAAAAAAAAAAA4D8AAAAAAADgPwAAAAAAAOA/AAAAAAAA4D8AAAAAAADgPwAAAAAAAOA/AAAAAAAA4D8AAAAAAADgPwAAAAAAAOA/AAAAAAAA4D8CAAAAjAAAAAAAAAAAAAAAu+DjDP///wgAAAAAAAAAAAAAAAAAAAAAAAAAAAAAAAAAAAAAZAAAAAEAAABAAAAAAAAAAAAAAAAAAAAAAAAAAAAAAAAAAAAAAAAAAAAAAAAAAAAAAAAAAAAAAAAAAAAAAAAAAAAAAAAAAAAAAAAAAAAAAAAAAAAAAAAAAAAAAAAAAAAAFAAAADwAAAAAAAAAAAAAAAAAAAkUAAAAAQAAABQAAAAUAAAAFAAAAAEAAAAAAAAAZAAAAGQAAAAAAAAAZAAAAGQAAAAVAAAAYAAAAAAAAAAAAAAADwAAACADAAAAAAAAAAAAAAEAAACgMgAAVgcAAKr4//8BAAAAf39/AAEAAABkAAAAAAAAABQAAABAHwAAAAAAACYAAAAAAAAAwOD//wAAAAAmAAAAZAAAABYAAABMAAAAAAAAAAAAAAAEAAAAAAAAAAEAAACAgIAKAAAAACgAAAAoAAAAZAAAAGQAAAAAAAAAzMzMAAAAAABQAAAAUAAAAGQAAABkAAAAAAAAABcAAAAUAAAAAAAAAAAAAAD/fwAA/38AAAAAAAAJAAAABAAAAAMAhUEMAAAAEAAAAAAAAAAAAAAAAAAAAAAAAAAeAAAAaAAAAAAAAAAAAAAAAAAAAAAAAAAAAAAAECcAABAnAAAAAAAAAAAAAAAAAAAAAAAAAAAAAAAAAAAAAAAAAAAAABQAAAAAAAAAwMD/AAAAAABkAAAAMgAAAAAAAABkAAAAAAAAAH9/fwAKAAAAHwAAAFQAAAAAAAAFAAAAAQAAAAAAAAAAAAAAAAAAAAAAAAAAAAAAAAAAAAAAAAAAAAAAAn9/fwAAAAADzMzMAMDA/wB/f38AAAAAAAAAAAAAAAAAAAAAAAAAAAAhAAAAGAAAABQAAADQAgAAYQ0AAKobAACwJQAAEAAAACYAAAAIAAAAAYAAAAAAAAA="/>
               </a:ext>
             </a:extLst>
           </p:cNvSpPr>
@@ -1700,7 +1701,7 @@
             <a:spLocks noGrp="1" noChangeArrowheads="1"/>
             <a:extLst>
               <a:ext uri="smNativeData">
-                <pr:smNativeData xmlns:pr="smNativeData" val="SMDATA_13_8OOwYxMAAAAlAAAAZAAAAA8BAAAAkAAAAEgAAACQAAAASAAAAAAAAAACAAAAAAAAAAEAAABQAAAAAAAAAAAA4D8AAAAAAADgPwAAAAAAAOA/AAAAAAAA4D8AAAAAAADgPwAAAAAAAOA/AAAAAAAA4D8AAAAAAADgPwAAAAAAAOA/AAAAAAAA4D8CAAAAjAAAAAAAAAAAAAAAu+DjDP///wgAAAAAAAAAAAAAAAAAAAAAAAAAAAAAAAAAAAAAZAAAAAEAAABAAAAAAAAAAAAAAAAAAAAAAAAAAAAAAAAAAAAAAAAAAAAAAAAAAAAAAAAAAAAAAAAAAAAAAAAAAAAAAAAAAAAAAAAAAAAAAAAAAAAAAAAAAAAAAAAAAAAAFAAAADwAAAAAAAAAAAAAAAAAAAkUAAAAAQAAABQAAAAUAAAAFAAAAAEAAAAAAAAAZAAAAGQAAAAAAAAAZAAAAGQAAAAVAAAAYAAAAAAAAAAAAAAADwAAACADAAAAAAAAAAAAAAEAAACgMgAAVgcAAKr4//8BAAAAf39/AAEAAABkAAAAAAAAABQAAABAHwAAAAAAACYAAAAAAAAAwOD//wAAAAAmAAAAZAAAABYAAABMAAAAAAAAAAAAAAAEAAAAAAAAAAEAAACAgIAKAAAAACgAAAAoAAAAZAAAAGQAAAAAAAAAzMzMAAAAAABQAAAAUAAAAGQAAABkAAAAAAAAABcAAAAUAAAAAAAAAAAAAAD/fwAA/38AAAAAAAAJAAAABAAAAOOYAwAMAAAAEAAAAAAAAAAAAAAAAAAAAAAAAAAeAAAAaAAAAAAAAAAAAAAAAAAAAAAAAAAAAAAAECcAABAnAAAAAAAAAAAAAAAAAAAAAAAAAAAAAAAAAAAAAAAAAAAAABQAAAAAAAAAwMD/AAAAAABkAAAAMgAAAAAAAABkAAAAAAAAAH9/fwAKAAAAHwAAAFQAAAAAAAAFAAAAAQAAAAAAAAAAAAAAAAAAAAAAAAAAAAAAAAAAAAAAAAAAAAAAAn9/fwAAAAADzMzMAMDA/wB/f38AAAAAAAAAAAAAAAAAAAAAAAAAAAAhAAAAGAAAABQAAACWHAAAcQkAAHA1AABhDQAAEAAAACYAAAAIAAAAgYAAAAAAAAA="/>
+                <pr:smNativeData xmlns:pr="smNativeData" val="SMDATA_13_5C6yYxMAAAAlAAAAZAAAAA8BAAAAkAAAAEgAAACQAAAASAAAAAAAAAACAAAAAAAAAAEAAABQAAAAAAAAAAAA4D8AAAAAAADgPwAAAAAAAOA/AAAAAAAA4D8AAAAAAADgPwAAAAAAAOA/AAAAAAAA4D8AAAAAAADgPwAAAAAAAOA/AAAAAAAA4D8CAAAAjAAAAAAAAAAAAAAAu+DjDP///wgAAAAAAAAAAAAAAAAAAAAAAAAAAAAAAAAAAAAAZAAAAAEAAABAAAAAAAAAAAAAAAAAAAAAAAAAAAAAAAAAAAAAAAAAAAAAAAAAAAAAAAAAAAAAAAAAAAAAAAAAAAAAAAAAAAAAAAAAAAAAAAAAAAAAAAAAAAAAAAAAAAAAFAAAADwAAAAAAAAAAAAAAAAAAAkUAAAAAQAAABQAAAAUAAAAFAAAAAEAAAAAAAAAZAAAAGQAAAAAAAAAZAAAAGQAAAAVAAAAYAAAAAAAAAAAAAAADwAAACADAAAAAAAAAAAAAAEAAACgMgAAVgcAAKr4//8BAAAAf39/AAEAAABkAAAAAAAAABQAAABAHwAAAAAAACYAAAAAAAAAwOD//wAAAAAmAAAAZAAAABYAAABMAAAAAAAAAAAAAAAEAAAAAAAAAAEAAACAgIAKAAAAACgAAAAoAAAAZAAAAGQAAAAAAAAAzMzMAAAAAABQAAAAUAAAAGQAAABkAAAAAAAAABcAAAAUAAAAAAAAAAAAAAD/fwAA/38AAAAAAAAJAAAABAAAAOOYAwAMAAAAEAAAAAAAAAAAAAAAAAAAAAAAAAAeAAAAaAAAAAAAAAAAAAAAAAAAAAAAAAAAAAAAECcAABAnAAAAAAAAAAAAAAAAAAAAAAAAAAAAAAAAAAAAAAAAAAAAABQAAAAAAAAAwMD/AAAAAABkAAAAMgAAAAAAAABkAAAAAAAAAH9/fwAKAAAAHwAAAFQAAAAAAAAFAAAAAQAAAAAAAAAAAAAAAAAAAAAAAAAAAAAAAAAAAAAAAAAAAAAAAn9/fwAAAAADzMzMAMDA/wB/f38AAAAAAAAAAAAAAAAAAAAAAAAAAAAhAAAAGAAAABQAAACWHAAAcQkAAHA1AABhDQAAEAAAACYAAAAIAAAAgYAAAAAAAAA="/>
               </a:ext>
             </a:extLst>
           </p:cNvSpPr>
@@ -1773,7 +1774,7 @@
             <a:spLocks noGrp="1" noChangeArrowheads="1"/>
             <a:extLst>
               <a:ext uri="smNativeData">
-                <pr:smNativeData xmlns:pr="smNativeData" val="SMDATA_13_8OOwYxMAAAAlAAAAZAAAAA8BAAAAkAAAAEgAAACQAAAASAAAAAAAAAAAAAAAAAAAAAEAAABQAAAAAAAAAAAA4D8AAAAAAADgPwAAAAAAAOA/AAAAAAAA4D8AAAAAAADgPwAAAAAAAOA/AAAAAAAA4D8AAAAAAADgPwAAAAAAAOA/AAAAAAAA4D8CAAAAjAAAAAAAAAAAAAAAu+DjDP///wgAAAAAAAAAAAAAAAAAAAAAAAAAAAAAAAAAAAAAZAAAAAEAAABAAAAAAAAAAAAAAAAAAAAAAAAAAAAAAAAAAAAAAAAAAAAAAAAAAAAAAAAAAAAAAAAAAAAAAAAAAAAAAAAAAAAAAAAAAAAAAAAAAAAAAAAAAAAAAAAAAAAAFAAAADwAAAAAAAAAAAAAAAAAAAkUAAAAAQAAABQAAAAUAAAAFAAAAAEAAAAAAAAAZAAAAGQAAAAAAAAAZAAAAGQAAAAVAAAAYAAAAAAAAAAAAAAADwAAACADAAAAAAAAAAAAAAEAAACgMgAAVgcAAKr4//8BAAAAf39/AAEAAABkAAAAAAAAABQAAABAHwAAAAAAACYAAAAAAAAAwOD//wAAAAAmAAAAZAAAABYAAABMAAAAAAAAAAAAAAAEAAAAAAAAAAEAAACAgIAKAAAAACgAAAAoAAAAZAAAAGQAAAAAAAAAzMzMAAAAAABQAAAAUAAAAGQAAABkAAAAAAAAABcAAAAUAAAAAAAAAAAAAAD/fwAA/38AAAAAAAAJAAAABAAAAAMAjgwMAAAAEAAAAAAAAAAAAAAAAAAAAAAAAAAeAAAAaAAAAAAAAAAAAAAAAAAAAAAAAAAAAAAAECcAABAnAAAAAAAAAAAAAAAAAAAAAAAAAAAAAAAAAAAAAAAAAAAAABQAAAAAAAAAwMD/AAAAAABkAAAAMgAAAAAAAABkAAAAAAAAAH9/fwAKAAAAHwAAAFQAAAAAAAAFAAAAAQAAAAAAAAAAAAAAAAAAAAAAAAAAAAAAAAAAAAAAAAAAAAAAAn9/fwAAAAADzMzMAMDA/wB/f38AAAAAAAAAAAAAAAAAAAAAAAAAAAAhAAAAGAAAABQAAACWHAAAYQ0AAHA1AACwJQAAEAAAACYAAAAIAAAAAYAAAAAAAAA="/>
+                <pr:smNativeData xmlns:pr="smNativeData" val="SMDATA_13_5C6yYxMAAAAlAAAAZAAAAA8BAAAAkAAAAEgAAACQAAAASAAAAAAAAAAAAAAAAAAAAAEAAABQAAAAAAAAAAAA4D8AAAAAAADgPwAAAAAAAOA/AAAAAAAA4D8AAAAAAADgPwAAAAAAAOA/AAAAAAAA4D8AAAAAAADgPwAAAAAAAOA/AAAAAAAA4D8CAAAAjAAAAAAAAAAAAAAAu+DjDP///wgAAAAAAAAAAAAAAAAAAAAAAAAAAAAAAAAAAAAAZAAAAAEAAABAAAAAAAAAAAAAAAAAAAAAAAAAAAAAAAAAAAAAAAAAAAAAAAAAAAAAAAAAAAAAAAAAAAAAAAAAAAAAAAAAAAAAAAAAAAAAAAAAAAAAAAAAAAAAAAAAAAAAFAAAADwAAAAAAAAAAAAAAAAAAAkUAAAAAQAAABQAAAAUAAAAFAAAAAEAAAAAAAAAZAAAAGQAAAAAAAAAZAAAAGQAAAAVAAAAYAAAAAAAAAAAAAAADwAAACADAAAAAAAAAAAAAAEAAACgMgAAVgcAAKr4//8BAAAAf39/AAEAAABkAAAAAAAAABQAAABAHwAAAAAAACYAAAAAAAAAwOD//wAAAAAmAAAAZAAAABYAAABMAAAAAAAAAAAAAAAEAAAAAAAAAAEAAACAgIAKAAAAACgAAAAoAAAAZAAAAGQAAAAAAAAAzMzMAAAAAABQAAAAUAAAAGQAAABkAAAAAAAAABcAAAAUAAAAAAAAAAAAAAD/fwAA/38AAAAAAAAJAAAABAAAAAMAjgwMAAAAEAAAAAAAAAAAAAAAAAAAAAAAAAAeAAAAaAAAAAAAAAAAAAAAAAAAAAAAAAAAAAAAECcAABAnAAAAAAAAAAAAAAAAAAAAAAAAAAAAAAAAAAAAAAAAAAAAABQAAAAAAAAAwMD/AAAAAABkAAAAMgAAAAAAAABkAAAAAAAAAH9/fwAKAAAAHwAAAFQAAAAAAAAFAAAAAQAAAAAAAAAAAAAAAAAAAAAAAAAAAAAAAAAAAAAAAAAAAAAAAn9/fwAAAAADzMzMAMDA/wB/f38AAAAAAAAAAAAAAAAAAAAAAAAAAAAhAAAAGAAAABQAAACWHAAAYQ0AAHA1AACwJQAAEAAAACYAAAAIAAAAAYAAAAAAAAA="/>
               </a:ext>
             </a:extLst>
           </p:cNvSpPr>
@@ -1857,7 +1858,7 @@
             <a:spLocks noGrp="1" noChangeArrowheads="1"/>
             <a:extLst>
               <a:ext uri="smNativeData">
-                <pr:smNativeData xmlns:pr="smNativeData" val="SMDATA_13_8OOwYxMAAAAlAAAAZAAAAA8BAAAAkAAAAEgAAACQAAAASAAAAAAAAAABAAAAAAAAAAEAAABQAAAAAAAAAAAA4D8AAAAAAADgPwAAAAAAAOA/AAAAAAAA4D8AAAAAAADgPwAAAAAAAOA/AAAAAAAA4D8AAAAAAADgPwAAAAAAAOA/AAAAAAAA4D8CAAAAjAAAAAAAAAAAAAAAu+DjDP///wgAAAAAAAAAAAAAAAAAAAAAAAAAAAAAAAAAAAAAZAAAAAEAAABAAAAAAAAAAAAAAAAAAAAAAAAAAAAAAAAAAAAAAAAAAAAAAAAAAAAAAAAAAAAAAAAAAAAAAAAAAAAAAAAAAAAAAAAAAAAAAAAAAAAAAAAAAAAAAAAAAAAAFAAAADwAAAAAAAAAAAAAAAAAAAkUAAAAAQAAABQAAAAUAAAAFAAAAAEAAAAAAAAAZAAAAGQAAAAAAAAAZAAAAGQAAAAVAAAAYAAAAAAAAAAAAAAADwAAACADAAAAAAAAAAAAAAEAAACgMgAAVgcAAKr4//8BAAAAf39/AAEAAABkAAAAAAAAABQAAABAHwAAAAAAACYAAAAAAAAAwOD//wAAAAAmAAAAZAAAABYAAABMAAAAAAAAAAAAAAAEAAAAAAAAAAEAAACAgIAKAAAAACgAAAAoAAAAZAAAAGQAAAAAAAAAzMzMAAAAAABQAAAAUAAAAGQAAABkAAAAAAAAABcAAAAUAAAAAAAAAAAAAAD/fwAA/38AAAAAAAAJAAAABAAAAM9Aa2gMAAAAEAAAAAAAAAAAAAAAAAAAAAAAAAAeAAAAaAAAAAAAAAAAAAAAAAAAAAAAAAAAAAAAECcAABAnAAAAAAAAAAAAAAAAAAAAAAAAAAAAAAAAAAAAAAAAAAAAABQAAAAAAAAAwMD/AAAAAABkAAAAMgAAAAAAAABkAAAAAAAAAH9/fwAKAAAAHwAAAFQAAAAAAAAFAAAAAQAAAAAAAAAAAAAAAAAAAAAAAAAAAAAAAAAAAAAAAAAAAAAAAn9/fwAAAAADzMzMAMDA/wB/f38AAAAAAAAAAAAAAAAAAAAAAAAAAAAhAAAAGAAAABQAAADQAgAAGycAAPAPAABZKQAAEAAAACYAAAAIAAAAAAAAAAAAAAA="/>
+                <pr:smNativeData xmlns:pr="smNativeData" val="SMDATA_13_5C6yYxMAAAAlAAAAZAAAAA8BAAAAkAAAAEgAAACQAAAASAAAAAAAAAABAAAAAAAAAAEAAABQAAAAAAAAAAAA4D8AAAAAAADgPwAAAAAAAOA/AAAAAAAA4D8AAAAAAADgPwAAAAAAAOA/AAAAAAAA4D8AAAAAAADgPwAAAAAAAOA/AAAAAAAA4D8CAAAAjAAAAAAAAAAAAAAAu+DjDP///wgAAAAAAAAAAAAAAAAAAAAAAAAAAAAAAAAAAAAAZAAAAAEAAABAAAAAAAAAAAAAAAAAAAAAAAAAAAAAAAAAAAAAAAAAAAAAAAAAAAAAAAAAAAAAAAAAAAAAAAAAAAAAAAAAAAAAAAAAAAAAAAAAAAAAAAAAAAAAAAAAAAAAFAAAADwAAAAAAAAAAAAAAAAAAAkUAAAAAQAAABQAAAAUAAAAFAAAAAEAAAAAAAAAZAAAAGQAAAAAAAAAZAAAAGQAAAAVAAAAYAAAAAAAAAAAAAAADwAAACADAAAAAAAAAAAAAAEAAACgMgAAVgcAAKr4//8BAAAAf39/AAEAAABkAAAAAAAAABQAAABAHwAAAAAAACYAAAAAAAAAwOD//wAAAAAmAAAAZAAAABYAAABMAAAAAAAAAAAAAAAEAAAAAAAAAAEAAACAgIAKAAAAACgAAAAoAAAAZAAAAGQAAAAAAAAAzMzMAAAAAABQAAAAUAAAAGQAAABkAAAAAAAAABcAAAAUAAAAAAAAAAAAAAD/fwAA/38AAAAAAAAJAAAABAAAAM9Aa2gMAAAAEAAAAAAAAAAAAAAAAAAAAAAAAAAeAAAAaAAAAAAAAAAAAAAAAAAAAAAAAAAAAAAAECcAABAnAAAAAAAAAAAAAAAAAAAAAAAAAAAAAAAAAAAAAAAAAAAAABQAAAAAAAAAwMD/AAAAAABkAAAAMgAAAAAAAABkAAAAAAAAAH9/fwAKAAAAHwAAAFQAAAAAAAAFAAAAAQAAAAAAAAAAAAAAAAAAAAAAAAAAAAAAAAAAAAAAAAAAAAAAAn9/fwAAAAADzMzMAMDA/wB/f38AAAAAAAAAAAAAAAAAAAAAAAAAAAAhAAAAGAAAABQAAADQAgAAGycAAPAPAABZKQAAEAAAACYAAAAIAAAAAAAAAAAAAAA="/>
               </a:ext>
             </a:extLst>
           </p:cNvSpPr>
@@ -1871,7 +1872,7 @@
           <a:lstStyle/>
           <a:p>
             <a:pPr/>
-            <a:fld id="{0B3B5401-4FE6-6EA2-A883-B9F71ACD5EEC}" type="datetime1">
+            <a:fld id="{06341E8A-C4EB-61E8-A58C-32BD50C25367}" type="datetime1">
               <a:t/>
             </a:fld>
           </a:p>
@@ -1884,7 +1885,7 @@
             <a:spLocks noGrp="1" noChangeArrowheads="1"/>
             <a:extLst>
               <a:ext uri="smNativeData">
-                <pr:smNativeData xmlns:pr="smNativeData" val="SMDATA_13_8OOwYxMAAAAlAAAAZAAAAA8BAAAAkAAAAEgAAACQAAAASAAAAAAAAAABAAAAAAAAAAEAAABQAAAAAAAAAAAA4D8AAAAAAADgPwAAAAAAAOA/AAAAAAAA4D8AAAAAAADgPwAAAAAAAOA/AAAAAAAA4D8AAAAAAADgPwAAAAAAAOA/AAAAAAAA4D8CAAAAjAAAAAAAAAAAAAAAu+DjDP///wgAAAAAAAAAAAAAAAAAAAAAAAAAAAAAAAAAAAAAZAAAAAEAAABAAAAAAAAAAAAAAAAAAAAAAAAAAAAAAAAAAAAAAAAAAAAAAAAAAAAAAAAAAAAAAAAAAAAAAAAAAAAAAAAAAAAAAAAAAAAAAAAAAAAAAAAAAAAAAAAAAAAAFAAAADwAAAAAAAAAAAAAAAAAAAkUAAAAAQAAABQAAAAUAAAAFAAAAAEAAAAAAAAAZAAAAGQAAAAAAAAAZAAAAGQAAAAVAAAAYAAAAAAAAAAAAAAADwAAACADAAAAAAAAAAAAAAEAAACgMgAAVgcAAKr4//8BAAAAf39/AAEAAABkAAAAAAAAABQAAABAHwAAAAAAACYAAAAAAAAAwOD//wAAAAAmAAAAZAAAABYAAABMAAAAAAAAAAAAAAAEAAAAAAAAAAEAAACAgIAKAAAAACgAAAAoAAAAZAAAAGQAAAAAAAAAzMzMAAAAAABQAAAAUAAAAGQAAABkAAAAAAAAABcAAAAUAAAAAAAAAAAAAAD/fwAA/38AAAAAAAAJAAAABAAAAHJ+AwAMAAAAEAAAAAAAAAAAAAAAAAAAAAAAAAAeAAAAaAAAAAAAAAAAAAAAAAAAAAAAAAAAAAAAECcAABAnAAAAAAAAAAAAAAAAAAAAAAAAAAAAAAAAAAAAAAAAAAAAABQAAAAAAAAAwMD/AAAAAABkAAAAMgAAAAAAAABkAAAAAAAAAH9/fwAKAAAAHwAAAFQAAAAAAAAFAAAAAQAAAAAAAAAAAAAAAAAAAAAAAAAAAAAAAAAAAAAAAAAAAAAAAn9/fwAAAAADzMzMAMDA/wB/f38AAAAAAAAAAAAAAAAAAAAAAAAAAAAhAAAAGAAAABQAAAA4EwAAGycAAAglAABZKQAAEAAAACYAAAAIAAAAAAAAAAAAAAA="/>
+                <pr:smNativeData xmlns:pr="smNativeData" val="SMDATA_13_5C6yYxMAAAAlAAAAZAAAAA8BAAAAkAAAAEgAAACQAAAASAAAAAAAAAABAAAAAAAAAAEAAABQAAAAAAAAAAAA4D8AAAAAAADgPwAAAAAAAOA/AAAAAAAA4D8AAAAAAADgPwAAAAAAAOA/AAAAAAAA4D8AAAAAAADgPwAAAAAAAOA/AAAAAAAA4D8CAAAAjAAAAAAAAAAAAAAAu+DjDP///wgAAAAAAAAAAAAAAAAAAAAAAAAAAAAAAAAAAAAAZAAAAAEAAABAAAAAAAAAAAAAAAAAAAAAAAAAAAAAAAAAAAAAAAAAAAAAAAAAAAAAAAAAAAAAAAAAAAAAAAAAAAAAAAAAAAAAAAAAAAAAAAAAAAAAAAAAAAAAAAAAAAAAFAAAADwAAAAAAAAAAAAAAAAAAAkUAAAAAQAAABQAAAAUAAAAFAAAAAEAAAAAAAAAZAAAAGQAAAAAAAAAZAAAAGQAAAAVAAAAYAAAAAAAAAAAAAAADwAAACADAAAAAAAAAAAAAAEAAACgMgAAVgcAAKr4//8BAAAAf39/AAEAAABkAAAAAAAAABQAAABAHwAAAAAAACYAAAAAAAAAwOD//wAAAAAmAAAAZAAAABYAAABMAAAAAAAAAAAAAAAEAAAAAAAAAAEAAACAgIAKAAAAACgAAAAoAAAAZAAAAGQAAAAAAAAAzMzMAAAAAABQAAAAUAAAAGQAAABkAAAAAAAAABcAAAAUAAAAAAAAAAAAAAD/fwAA/38AAAAAAAAJAAAABAAAAHJ+AwAMAAAAEAAAAAAAAAAAAAAAAAAAAAAAAAAeAAAAaAAAAAAAAAAAAAAAAAAAAAAAAAAAAAAAECcAABAnAAAAAAAAAAAAAAAAAAAAAAAAAAAAAAAAAAAAAAAAAAAAABQAAAAAAAAAwMD/AAAAAABkAAAAMgAAAAAAAABkAAAAAAAAAH9/fwAKAAAAHwAAAFQAAAAAAAAFAAAAAQAAAAAAAAAAAAAAAAAAAAAAAAAAAAAAAAAAAAAAAAAAAAAAAn9/fwAAAAADzMzMAMDA/wB/f38AAAAAAAAAAAAAAAAAAAAAAAAAAAAhAAAAGAAAABQAAAA4EwAAGycAAAglAABZKQAAEAAAACYAAAAIAAAAAAAAAAAAAAA="/>
               </a:ext>
             </a:extLst>
           </p:cNvSpPr>
@@ -1908,7 +1909,7 @@
             <a:spLocks noGrp="1" noChangeArrowheads="1"/>
             <a:extLst>
               <a:ext uri="smNativeData">
-                <pr:smNativeData xmlns:pr="smNativeData" val="SMDATA_13_8OOwYxMAAAAlAAAAZAAAAA8BAAAAkAAAAEgAAACQAAAASAAAAAAAAAABAAAAAAAAAAEAAABQAAAAAAAAAAAA4D8AAAAAAADgPwAAAAAAAOA/AAAAAAAA4D8AAAAAAADgPwAAAAAAAOA/AAAAAAAA4D8AAAAAAADgPwAAAAAAAOA/AAAAAAAA4D8CAAAAjAAAAAAAAAAAAAAAu+DjDP///wgAAAAAAAAAAAAAAAAAAAAAAAAAAAAAAAAAAAAAZAAAAAEAAABAAAAAAAAAAAAAAAAAAAAAAAAAAAAAAAAAAAAAAAAAAAAAAAAAAAAAAAAAAAAAAAAAAAAAAAAAAAAAAAAAAAAAAAAAAAAAAAAAAAAAAAAAAAAAAAAAAAAAFAAAADwAAAAAAAAAAAAAAAAAAAkUAAAAAQAAABQAAAAUAAAAFAAAAAEAAAAAAAAAZAAAAGQAAAAAAAAAZAAAAGQAAAAVAAAAYAAAAAAAAAAAAAAADwAAACADAAAAAAAAAAAAAAEAAACgMgAAVgcAAKr4//8BAAAAf39/AAEAAABkAAAAAAAAABQAAABAHwAAAAAAACYAAAAAAAAAwOD//wAAAAAmAAAAZAAAABYAAABMAAAAAAAAAAAAAAAEAAAAAAAAAAEAAACAgIAKAAAAACgAAAAoAAAAZAAAAGQAAAAAAAAAzMzMAAAAAABQAAAAUAAAAGQAAABkAAAAAAAAABcAAAAUAAAAAAAAAAAAAAD/fwAA/38AAAAAAAAJAAAABAAAAKVGcaEMAAAAEAAAAAAAAAAAAAAAAAAAAAAAAAAeAAAAaAAAAAAAAAAAAAAAAAAAAAAAAAAAAAAAECcAABAnAAAAAAAAAAAAAAAAAAAAAAAAAAAAAAAAAAAAAAAAAAAAABQAAAAAAAAAwMD/AAAAAABkAAAAMgAAAAAAAABkAAAAAAAAAH9/fwAKAAAAHwAAAFQAAAAAAAAFAAAAAQAAAAAAAAAAAAAAAAAAAAAAAAAAAAAAAAAAAAAAAAAAAAAAAn9/fwAAAAADzMzMAMDA/wB/f38AAAAAAAAAAAAAAAAAAAAAAAAAAAAhAAAAGAAAABQAAABQKAAAGycAAHA1AABZKQAAEAAAACYAAAAIAAAAAAAAAAAAAAA="/>
+                <pr:smNativeData xmlns:pr="smNativeData" val="SMDATA_13_5C6yYxMAAAAlAAAAZAAAAA8BAAAAkAAAAEgAAACQAAAASAAAAAAAAAABAAAAAAAAAAEAAABQAAAAAAAAAAAA4D8AAAAAAADgPwAAAAAAAOA/AAAAAAAA4D8AAAAAAADgPwAAAAAAAOA/AAAAAAAA4D8AAAAAAADgPwAAAAAAAOA/AAAAAAAA4D8CAAAAjAAAAAAAAAAAAAAAu+DjDP///wgAAAAAAAAAAAAAAAAAAAAAAAAAAAAAAAAAAAAAZAAAAAEAAABAAAAAAAAAAAAAAAAAAAAAAAAAAAAAAAAAAAAAAAAAAAAAAAAAAAAAAAAAAAAAAAAAAAAAAAAAAAAAAAAAAAAAAAAAAAAAAAAAAAAAAAAAAAAAAAAAAAAAFAAAADwAAAAAAAAAAAAAAAAAAAkUAAAAAQAAABQAAAAUAAAAFAAAAAEAAAAAAAAAZAAAAGQAAAAAAAAAZAAAAGQAAAAVAAAAYAAAAAAAAAAAAAAADwAAACADAAAAAAAAAAAAAAEAAACgMgAAVgcAAKr4//8BAAAAf39/AAEAAABkAAAAAAAAABQAAABAHwAAAAAAACYAAAAAAAAAwOD//wAAAAAmAAAAZAAAABYAAABMAAAAAAAAAAAAAAAEAAAAAAAAAAEAAACAgIAKAAAAACgAAAAoAAAAZAAAAGQAAAAAAAAAzMzMAAAAAABQAAAAUAAAAGQAAABkAAAAAAAAABcAAAAUAAAAAAAAAAAAAAD/fwAA/38AAAAAAAAJAAAABAAAAKVGcaEMAAAAEAAAAAAAAAAAAAAAAAAAAAAAAAAeAAAAaAAAAAAAAAAAAAAAAAAAAAAAAAAAAAAAECcAABAnAAAAAAAAAAAAAAAAAAAAAAAAAAAAAAAAAAAAAAAAAAAAABQAAAAAAAAAwMD/AAAAAABkAAAAMgAAAAAAAABkAAAAAAAAAH9/fwAKAAAAHwAAAFQAAAAAAAAFAAAAAQAAAAAAAAAAAAAAAAAAAAAAAAAAAAAAAAAAAAAAAAAAAAAAAn9/fwAAAAADzMzMAMDA/wB/f38AAAAAAAAAAAAAAAAAAAAAAAAAAAAhAAAAGAAAABQAAABQKAAAGycAAHA1AABZKQAAEAAAACYAAAAIAAAAAAAAAAAAAAA="/>
               </a:ext>
             </a:extLst>
           </p:cNvSpPr>
@@ -1922,7 +1923,7 @@
           <a:lstStyle/>
           <a:p>
             <a:pPr/>
-            <a:fld id="{0B3B2AD7-99E6-6EDC-A883-6F8964CD5E3A}" type="slidenum">
+            <a:fld id="{06340A59-17EB-61FC-A58C-E1A944C253B4}" type="slidenum">
               <a:t/>
             </a:fld>
           </a:p>
@@ -1960,7 +1961,7 @@
             <a:spLocks noGrp="1" noChangeArrowheads="1"/>
             <a:extLst>
               <a:ext uri="smNativeData">
-                <pr:smNativeData xmlns:pr="smNativeData" val="SMDATA_13_8OOwYxMAAAAlAAAAZAAAAA8BAAAAkAAAAEgAAACQAAAASAAAAAAAAAABAAAAAAAAAAEAAABQAAAAAAAAAAAA4D8AAAAAAADgPwAAAAAAAOA/AAAAAAAA4D8AAAAAAADgPwAAAAAAAOA/AAAAAAAA4D8AAAAAAADgPwAAAAAAAOA/AAAAAAAA4D8CAAAAjAAAAAAAAAAAAAAAu+DjDP///wgAAAAAAAAAAAAAAAAAAAAAAAAAAAAAAAAAAAAAZAAAAAEAAABAAAAAAAAAAAAAAAAAAAAAAAAAAAAAAAAAAAAAAAAAAAAAAAAAAAAAAAAAAAAAAAAAAAAAAAAAAAAAAAAAAAAAAAAAAAAAAAAAAAAAAAAAAAAAAAAAAAAAFAAAADwAAAAAAAAAAAAAAAAAAAkUAAAAAQAAABQAAAAUAAAAFAAAAAEAAAAAAAAAZAAAAGQAAAAAAAAAZAAAAGQAAAAVAAAAYAAAAAAAAAAAAAAADwAAACADAAAAAAAAAAAAAAEAAACgMgAAVgcAAKr4//8BAAAAf39/AAEAAABkAAAAAAAAABQAAABAHwAAAAAAACYAAAAAAAAAwOD//wAAAAAmAAAAZAAAABYAAABMAAAAAAAAAAAAAAAEAAAAAAAAAAEAAACAgIAKAAAAACgAAAAoAAAAZAAAAGQAAAAAAAAAzMzMAAAAAABQAAAAUAAAAGQAAABkAAAAAAAAABcAAAAUAAAAAAAAAAAAAAD/fwAA/38AAAAAAAAJAAAABAAAAAAAAAAMAAAAEAAAAAAAAAAAAAAAAAAAAAAAAAAeAAAAaAAAAAAAAAAAAAAAAAAAAAAAAAAAAAAAECcAABAnAAAAAAAAAAAAAAAAAAAAAAAAAAAAAAAAAAAAAAAAAAAAABQAAAAAAAAAwMD/AAAAAABkAAAAMgAAAAAAAABkAAAAAAAAAH9/fwAKAAAAHwAAAFQAAAAAAAAFAAAAAQAAAAAAAAAAAAAAAAAAAAAAAAAAAAAAAAAAAAAAAAAAAAAAAn9/fwAAAAADzMzMAMDA/wB/f38AAAAAAAAAAAAAAAAAAAAAAAAAAAAhAAAAGAAAABQAAADQAgAAsAEAAHA1AAC4CAAAEAAAACYAAAAIAAAAAAAAAAAAAAA="/>
+                <pr:smNativeData xmlns:pr="smNativeData" val="SMDATA_13_5C6yYxMAAAAlAAAAZAAAAA8BAAAAkAAAAEgAAACQAAAASAAAAAAAAAABAAAAAAAAAAEAAABQAAAAAAAAAAAA4D8AAAAAAADgPwAAAAAAAOA/AAAAAAAA4D8AAAAAAADgPwAAAAAAAOA/AAAAAAAA4D8AAAAAAADgPwAAAAAAAOA/AAAAAAAA4D8CAAAAjAAAAAAAAAAAAAAAu+DjDP///wgAAAAAAAAAAAAAAAAAAAAAAAAAAAAAAAAAAAAAZAAAAAEAAABAAAAAAAAAAAAAAAAAAAAAAAAAAAAAAAAAAAAAAAAAAAAAAAAAAAAAAAAAAAAAAAAAAAAAAAAAAAAAAAAAAAAAAAAAAAAAAAAAAAAAAAAAAAAAAAAAAAAAFAAAADwAAAAAAAAAAAAAAAAAAAkUAAAAAQAAABQAAAAUAAAAFAAAAAEAAAAAAAAAZAAAAGQAAAAAAAAAZAAAAGQAAAAVAAAAYAAAAAAAAAAAAAAADwAAACADAAAAAAAAAAAAAAEAAACgMgAAVgcAAKr4//8BAAAAf39/AAEAAABkAAAAAAAAABQAAABAHwAAAAAAACYAAAAAAAAAwOD//wAAAAAmAAAAZAAAABYAAABMAAAAAAAAAAAAAAAEAAAAAAAAAAEAAACAgIAKAAAAACgAAAAoAAAAZAAAAGQAAAAAAAAAzMzMAAAAAABQAAAAUAAAAGQAAABkAAAAAAAAABcAAAAUAAAAAAAAAAAAAAD/fwAA/38AAAAAAAAJAAAABAAAAAAAAAAMAAAAEAAAAAAAAAAAAAAAAAAAAAAAAAAeAAAAaAAAAAAAAAAAAAAAAAAAAAAAAAAAAAAAECcAABAnAAAAAAAAAAAAAAAAAAAAAAAAAAAAAAAAAAAAAAAAAAAAABQAAAAAAAAAwMD/AAAAAABkAAAAMgAAAAAAAABkAAAAAAAAAH9/fwAKAAAAHwAAAFQAAAAAAAAFAAAAAQAAAAAAAAAAAAAAAAAAAAAAAAAAAAAAAAAAAAAAAAAAAAAAAn9/fwAAAAADzMzMAMDA/wB/f38AAAAAAAAAAAAAAAAAAAAAAAAAAAAhAAAAGAAAABQAAADQAgAAsAEAAHA1AAC4CAAAEAAAACYAAAAIAAAAAAAAAAAAAAA="/>
               </a:ext>
             </a:extLst>
           </p:cNvSpPr>
@@ -1987,7 +1988,7 @@
             <a:spLocks noGrp="1" noChangeArrowheads="1"/>
             <a:extLst>
               <a:ext uri="smNativeData">
-                <pr:smNativeData xmlns:pr="smNativeData" val="SMDATA_13_8OOwYxMAAAAlAAAAZAAAAA8BAAAAkAAAAEgAAACQAAAASAAAAAAAAAABAAAAAAAAAAEAAABQAAAAAAAAAAAA4D8AAAAAAADgPwAAAAAAAOA/AAAAAAAA4D8AAAAAAADgPwAAAAAAAOA/AAAAAAAA4D8AAAAAAADgPwAAAAAAAOA/AAAAAAAA4D8CAAAAjAAAAAAAAAAAAAAAu+DjDP///wgAAAAAAAAAAAAAAAAAAAAAAAAAAAAAAAAAAAAAZAAAAAEAAABAAAAAAAAAAAAAAAAAAAAAAAAAAAAAAAAAAAAAAAAAAAAAAAAAAAAAAAAAAAAAAAAAAAAAAAAAAAAAAAAAAAAAAAAAAAAAAAAAAAAAAAAAAAAAAAAAAAAAFAAAADwAAAAAAAAAAAAAAAAAAAkUAAAAAQAAABQAAAAUAAAAFAAAAAEAAAAAAAAAZAAAAGQAAAAAAAAAZAAAAGQAAAAVAAAAYAAAAAAAAAAAAAAADwAAACADAAAAAAAAAAAAAAEAAACgMgAAVgcAAKr4//8BAAAAf39/AAEAAABkAAAAAAAAABQAAABAHwAAAAAAACYAAAAAAAAAwOD//wAAAAAmAAAAZAAAABYAAABMAAAAAAAAAAAAAAAEAAAAAAAAAAEAAACAgIAKAAAAACgAAAAoAAAAZAAAAGQAAAAAAAAAzMzMAAAAAABQAAAAUAAAAGQAAABkAAAAAAAAABcAAAAUAAAAAAAAAAAAAAD/fwAA/38AAAAAAAAJAAAABAAAAAAAAAAMAAAAEAAAAAAAAAAAAAAAAAAAAAAAAAAeAAAAaAAAAAAAAAAAAAAAAAAAAAAAAAAAAAAAECcAABAnAAAAAAAAAAAAAAAAAAAAAAAAAAAAAAAAAAAAAAAAAAAAABQAAAAAAAAAwMD/AAAAAABkAAAAMgAAAAAAAABkAAAAAAAAAH9/fwAKAAAAHwAAAFQAAAAAAAAFAAAAAQAAAAAAAAAAAAAAAAAAAAAAAAAAAAAAAAAAAAAAAAAAAAAAAn9/fwAAAAADzMzMAMDA/wB/f38AAAAAAAAAAAAAAAAAAAAAAAAAAAAhAAAAGAAAABQAAADQAgAAGycAAPAPAABZKQAAEAAAACYAAAAIAAAAAAAAAAAAAAA="/>
+                <pr:smNativeData xmlns:pr="smNativeData" val="SMDATA_13_5C6yYxMAAAAlAAAAZAAAAA8BAAAAkAAAAEgAAACQAAAASAAAAAAAAAABAAAAAAAAAAEAAABQAAAAAAAAAAAA4D8AAAAAAADgPwAAAAAAAOA/AAAAAAAA4D8AAAAAAADgPwAAAAAAAOA/AAAAAAAA4D8AAAAAAADgPwAAAAAAAOA/AAAAAAAA4D8CAAAAjAAAAAAAAAAAAAAAu+DjDP///wgAAAAAAAAAAAAAAAAAAAAAAAAAAAAAAAAAAAAAZAAAAAEAAABAAAAAAAAAAAAAAAAAAAAAAAAAAAAAAAAAAAAAAAAAAAAAAAAAAAAAAAAAAAAAAAAAAAAAAAAAAAAAAAAAAAAAAAAAAAAAAAAAAAAAAAAAAAAAAAAAAAAAFAAAADwAAAAAAAAAAAAAAAAAAAkUAAAAAQAAABQAAAAUAAAAFAAAAAEAAAAAAAAAZAAAAGQAAAAAAAAAZAAAAGQAAAAVAAAAYAAAAAAAAAAAAAAADwAAACADAAAAAAAAAAAAAAEAAACgMgAAVgcAAKr4//8BAAAAf39/AAEAAABkAAAAAAAAABQAAABAHwAAAAAAACYAAAAAAAAAwOD//wAAAAAmAAAAZAAAABYAAABMAAAAAAAAAAAAAAAEAAAAAAAAAAEAAACAgIAKAAAAACgAAAAoAAAAZAAAAGQAAAAAAAAAzMzMAAAAAABQAAAAUAAAAGQAAABkAAAAAAAAABcAAAAUAAAAAAAAAAAAAAD/fwAA/38AAAAAAAAJAAAABAAAAAAAAAAMAAAAEAAAAAAAAAAAAAAAAAAAAAAAAAAeAAAAaAAAAAAAAAAAAAAAAAAAAAAAAAAAAAAAECcAABAnAAAAAAAAAAAAAAAAAAAAAAAAAAAAAAAAAAAAAAAAAAAAABQAAAAAAAAAwMD/AAAAAABkAAAAMgAAAAAAAABkAAAAAAAAAH9/fwAKAAAAHwAAAFQAAAAAAAAFAAAAAQAAAAAAAAAAAAAAAAAAAAAAAAAAAAAAAAAAAAAAAAAAAAAAAn9/fwAAAAADzMzMAMDA/wB/f38AAAAAAAAAAAAAAAAAAAAAAAAAAAAhAAAAGAAAABQAAADQAgAAGycAAPAPAABZKQAAEAAAACYAAAAIAAAAAAAAAAAAAAA="/>
               </a:ext>
             </a:extLst>
           </p:cNvSpPr>
@@ -2001,7 +2002,7 @@
           <a:lstStyle/>
           <a:p>
             <a:pPr/>
-            <a:fld id="{0B3B42E9-A7E6-6EB4-A883-51E10CCD5E04}" type="datetime1">
+            <a:fld id="{06347449-07EB-6182-A58C-F1D73AC253A4}" type="datetime1">
               <a:t/>
             </a:fld>
           </a:p>
@@ -2014,7 +2015,7 @@
             <a:spLocks noGrp="1" noChangeArrowheads="1"/>
             <a:extLst>
               <a:ext uri="smNativeData">
-                <pr:smNativeData xmlns:pr="smNativeData" val="SMDATA_13_8OOwYxMAAAAlAAAAZAAAAA8BAAAAkAAAAEgAAACQAAAASAAAAAAAAAABAAAAAAAAAAEAAABQAAAAAAAAAAAA4D8AAAAAAADgPwAAAAAAAOA/AAAAAAAA4D8AAAAAAADgPwAAAAAAAOA/AAAAAAAA4D8AAAAAAADgPwAAAAAAAOA/AAAAAAAA4D8CAAAAjAAAAAAAAAAAAAAAu+DjDP///wgAAAAAAAAAAAAAAAAAAAAAAAAAAAAAAAAAAAAAZAAAAAEAAABAAAAAAAAAAAAAAAAAAAAAAAAAAAAAAAAAAAAAAAAAAAAAAAAAAAAAAAAAAAAAAAAAAAAAAAAAAAAAAAAAAAAAAAAAAAAAAAAAAAAAAAAAAAAAAAAAAAAAFAAAADwAAAAAAAAAAAAAAAAAAAkUAAAAAQAAABQAAAAUAAAAFAAAAAEAAAAAAAAAZAAAAGQAAAAAAAAAZAAAAGQAAAAVAAAAYAAAAAAAAAAAAAAADwAAACADAAAAAAAAAAAAAAEAAACgMgAAVgcAAKr4//8BAAAAf39/AAEAAABkAAAAAAAAABQAAABAHwAAAAAAACYAAAAAAAAAwOD//wAAAAAmAAAAZAAAABYAAABMAAAAAAAAAAAAAAAEAAAAAAAAAAEAAACAgIAKAAAAACgAAAAoAAAAZAAAAGQAAAAAAAAAzMzMAAAAAABQAAAAUAAAAGQAAABkAAAAAAAAABcAAAAUAAAAAAAAAAAAAAD/fwAA/38AAAAAAAAJAAAABAAAAAAAAAAMAAAAEAAAAAAAAAAAAAAAAAAAAAAAAAAeAAAAaAAAAAAAAAAAAAAAAAAAAAAAAAAAAAAAECcAABAnAAAAAAAAAAAAAAAAAAAAAAAAAAAAAAAAAAAAAAAAAAAAABQAAAAAAAAAwMD/AAAAAABkAAAAMgAAAAAAAABkAAAAAAAAAH9/fwAKAAAAHwAAAFQAAAAAAAAFAAAAAQAAAAAAAAAAAAAAAAAAAAAAAAAAAAAAAAAAAAAAAAAAAAAAAn9/fwAAAAADzMzMAMDA/wB/f38AAAAAAAAAAAAAAAAAAAAAAAAAAAAhAAAAGAAAABQAAAA4EwAAGycAAAglAABZKQAAEAAAACYAAAAIAAAAAAAAAAAAAAA="/>
+                <pr:smNativeData xmlns:pr="smNativeData" val="SMDATA_13_5C6yYxMAAAAlAAAAZAAAAA8BAAAAkAAAAEgAAACQAAAASAAAAAAAAAABAAAAAAAAAAEAAABQAAAAAAAAAAAA4D8AAAAAAADgPwAAAAAAAOA/AAAAAAAA4D8AAAAAAADgPwAAAAAAAOA/AAAAAAAA4D8AAAAAAADgPwAAAAAAAOA/AAAAAAAA4D8CAAAAjAAAAAAAAAAAAAAAu+DjDP///wgAAAAAAAAAAAAAAAAAAAAAAAAAAAAAAAAAAAAAZAAAAAEAAABAAAAAAAAAAAAAAAAAAAAAAAAAAAAAAAAAAAAAAAAAAAAAAAAAAAAAAAAAAAAAAAAAAAAAAAAAAAAAAAAAAAAAAAAAAAAAAAAAAAAAAAAAAAAAAAAAAAAAFAAAADwAAAAAAAAAAAAAAAAAAAkUAAAAAQAAABQAAAAUAAAAFAAAAAEAAAAAAAAAZAAAAGQAAAAAAAAAZAAAAGQAAAAVAAAAYAAAAAAAAAAAAAAADwAAACADAAAAAAAAAAAAAAEAAACgMgAAVgcAAKr4//8BAAAAf39/AAEAAABkAAAAAAAAABQAAABAHwAAAAAAACYAAAAAAAAAwOD//wAAAAAmAAAAZAAAABYAAABMAAAAAAAAAAAAAAAEAAAAAAAAAAEAAACAgIAKAAAAACgAAAAoAAAAZAAAAGQAAAAAAAAAzMzMAAAAAABQAAAAUAAAAGQAAABkAAAAAAAAABcAAAAUAAAAAAAAAAAAAAD/fwAA/38AAAAAAAAJAAAABAAAAAAAAAAMAAAAEAAAAAAAAAAAAAAAAAAAAAAAAAAeAAAAaAAAAAAAAAAAAAAAAAAAAAAAAAAAAAAAECcAABAnAAAAAAAAAAAAAAAAAAAAAAAAAAAAAAAAAAAAAAAAAAAAABQAAAAAAAAAwMD/AAAAAABkAAAAMgAAAAAAAABkAAAAAAAAAH9/fwAKAAAAHwAAAFQAAAAAAAAFAAAAAQAAAAAAAAAAAAAAAAAAAAAAAAAAAAAAAAAAAAAAAAAAAAAAAn9/fwAAAAADzMzMAMDA/wB/f38AAAAAAAAAAAAAAAAAAAAAAAAAAAAhAAAAGAAAABQAAAA4EwAAGycAAAglAABZKQAAEAAAACYAAAAIAAAAAAAAAAAAAAA="/>
               </a:ext>
             </a:extLst>
           </p:cNvSpPr>
@@ -2038,7 +2039,7 @@
             <a:spLocks noGrp="1" noChangeArrowheads="1"/>
             <a:extLst>
               <a:ext uri="smNativeData">
-                <pr:smNativeData xmlns:pr="smNativeData" val="SMDATA_13_8OOwYxMAAAAlAAAAZAAAAA8BAAAAkAAAAEgAAACQAAAASAAAAAAAAAABAAAAAAAAAAEAAABQAAAAAAAAAAAA4D8AAAAAAADgPwAAAAAAAOA/AAAAAAAA4D8AAAAAAADgPwAAAAAAAOA/AAAAAAAA4D8AAAAAAADgPwAAAAAAAOA/AAAAAAAA4D8CAAAAjAAAAAAAAAAAAAAAu+DjDP///wgAAAAAAAAAAAAAAAAAAAAAAAAAAAAAAAAAAAAAZAAAAAEAAABAAAAAAAAAAAAAAAAAAAAAAAAAAAAAAAAAAAAAAAAAAAAAAAAAAAAAAAAAAAAAAAAAAAAAAAAAAAAAAAAAAAAAAAAAAAAAAAAAAAAAAAAAAAAAAAAAAAAAFAAAADwAAAAAAAAAAAAAAAAAAAkUAAAAAQAAABQAAAAUAAAAFAAAAAEAAAAAAAAAZAAAAGQAAAAAAAAAZAAAAGQAAAAVAAAAYAAAAAAAAAAAAAAADwAAACADAAAAAAAAAAAAAAEAAACgMgAAVgcAAKr4//8BAAAAf39/AAEAAABkAAAAAAAAABQAAABAHwAAAAAAACYAAAAAAAAAwOD//wAAAAAmAAAAZAAAABYAAABMAAAAAAAAAAAAAAAEAAAAAAAAAAEAAACAgIAKAAAAACgAAAAoAAAAZAAAAGQAAAAAAAAAzMzMAAAAAABQAAAAUAAAAGQAAABkAAAAAAAAABcAAAAUAAAAAAAAAAAAAAD/fwAA/38AAAAAAAAJAAAABAAAAAAAAAAMAAAAEAAAAAAAAAAAAAAAAAAAAAAAAAAeAAAAaAAAAAAAAAAAAAAAAAAAAAAAAAAAAAAAECcAABAnAAAAAAAAAAAAAAAAAAAAAAAAAAAAAAAAAAAAAAAAAAAAABQAAAAAAAAAwMD/AAAAAABkAAAAMgAAAAAAAABkAAAAAAAAAH9/fwAKAAAAHwAAAFQAAAAAAAAFAAAAAQAAAAAAAAAAAAAAAAAAAAAAAAAAAAAAAAAAAAAAAAAAAAAAAn9/fwAAAAADzMzMAMDA/wB/f38AAAAAAAAAAAAAAAAAAAAAAAAAAAAhAAAAGAAAABQAAABQKAAAGycAAHA1AABZKQAAEAAAACYAAAAIAAAAAAAAAAAAAAA="/>
+                <pr:smNativeData xmlns:pr="smNativeData" val="SMDATA_13_5C6yYxMAAAAlAAAAZAAAAA8BAAAAkAAAAEgAAACQAAAASAAAAAAAAAABAAAAAAAAAAEAAABQAAAAAAAAAAAA4D8AAAAAAADgPwAAAAAAAOA/AAAAAAAA4D8AAAAAAADgPwAAAAAAAOA/AAAAAAAA4D8AAAAAAADgPwAAAAAAAOA/AAAAAAAA4D8CAAAAjAAAAAAAAAAAAAAAu+DjDP///wgAAAAAAAAAAAAAAAAAAAAAAAAAAAAAAAAAAAAAZAAAAAEAAABAAAAAAAAAAAAAAAAAAAAAAAAAAAAAAAAAAAAAAAAAAAAAAAAAAAAAAAAAAAAAAAAAAAAAAAAAAAAAAAAAAAAAAAAAAAAAAAAAAAAAAAAAAAAAAAAAAAAAFAAAADwAAAAAAAAAAAAAAAAAAAkUAAAAAQAAABQAAAAUAAAAFAAAAAEAAAAAAAAAZAAAAGQAAAAAAAAAZAAAAGQAAAAVAAAAYAAAAAAAAAAAAAAADwAAACADAAAAAAAAAAAAAAEAAACgMgAAVgcAAKr4//8BAAAAf39/AAEAAABkAAAAAAAAABQAAABAHwAAAAAAACYAAAAAAAAAwOD//wAAAAAmAAAAZAAAABYAAABMAAAAAAAAAAAAAAAEAAAAAAAAAAEAAACAgIAKAAAAACgAAAAoAAAAZAAAAGQAAAAAAAAAzMzMAAAAAABQAAAAUAAAAGQAAABkAAAAAAAAABcAAAAUAAAAAAAAAAAAAAD/fwAA/38AAAAAAAAJAAAABAAAAAAAAAAMAAAAEAAAAAAAAAAAAAAAAAAAAAAAAAAeAAAAaAAAAAAAAAAAAAAAAAAAAAAAAAAAAAAAECcAABAnAAAAAAAAAAAAAAAAAAAAAAAAAAAAAAAAAAAAAAAAAAAAABQAAAAAAAAAwMD/AAAAAABkAAAAMgAAAAAAAABkAAAAAAAAAH9/fwAKAAAAHwAAAFQAAAAAAAAFAAAAAQAAAAAAAAAAAAAAAAAAAAAAAAAAAAAAAAAAAAAAAAAAAAAAAn9/fwAAAAADzMzMAMDA/wB/f38AAAAAAAAAAAAAAAAAAAAAAAAAAAAhAAAAGAAAABQAAABQKAAAGycAAHA1AABZKQAAEAAAACYAAAAIAAAAAAAAAAAAAAA="/>
               </a:ext>
             </a:extLst>
           </p:cNvSpPr>
@@ -2052,7 +2053,7 @@
           <a:lstStyle/>
           <a:p>
             <a:pPr/>
-            <a:fld id="{0B3B0B9B-D5E6-6EFD-A883-23A845CD5E76}" type="slidenum">
+            <a:fld id="{06343BB2-FCEB-61CD-A58C-0A9875C2535F}" type="slidenum">
               <a:t/>
             </a:fld>
           </a:p>
@@ -2090,7 +2091,7 @@
             <a:spLocks noGrp="1" noChangeArrowheads="1"/>
             <a:extLst>
               <a:ext uri="smNativeData">
-                <pr:smNativeData xmlns:pr="smNativeData" val="SMDATA_13_8OOwYxMAAAAlAAAAZAAAAA8BAAAAkAAAAEgAAACQAAAASAAAAAAAAAABAAAAAAAAAAEAAABQAAAAAAAAAAAA4D8AAAAAAADgPwAAAAAAAOA/AAAAAAAA4D8AAAAAAADgPwAAAAAAAOA/AAAAAAAA4D8AAAAAAADgPwAAAAAAAOA/AAAAAAAA4D8CAAAAjAAAAAAAAAAAAAAAu+DjDP///wgAAAAAAAAAAAAAAAAAAAAAAAAAAAAAAAAAAAAAZAAAAAEAAABAAAAAAAAAAAAAAAAAAAAAAAAAAAAAAAAAAAAAAAAAAAAAAAAAAAAAAAAAAAAAAAAAAAAAAAAAAAAAAAAAAAAAAAAAAAAAAAAAAAAAAAAAAAAAAAAAAAAAFAAAADwAAAAAAAAAAAAAAAAAAAkUAAAAAQAAABQAAAAUAAAAFAAAAAEAAAAAAAAAZAAAAGQAAAAAAAAAZAAAAGQAAAAVAAAAYAAAAAAAAAAAAAAADwAAACADAAAAAAAAAAAAAAEAAACgMgAAVgcAAKr4//8BAAAAf39/AAEAAABkAAAAAAAAABQAAABAHwAAAAAAACYAAAAAAAAAwOD//wAAAAAmAAAAZAAAABYAAABMAAAAAAAAAAAAAAAEAAAAAAAAAAEAAACAgIAKAAAAACgAAAAoAAAAZAAAAGQAAAAAAAAAzMzMAAAAAABQAAAAUAAAAGQAAABkAAAAAAAAABcAAAAUAAAAAAAAAAAAAAD/fwAA/38AAAAAAAAJAAAABAAAAAAAAAAMAAAAEAAAAAAAAAAAAAAAAAAAAAAAAAAeAAAAaAAAAAAAAAAAAAAAAAAAAAAAAAAAAAAAECcAABAnAAAAAAAAAAAAAAAAAAAAAAAAAAAAAAAAAAAAAAAAAAAAABQAAAAAAAAAwMD/AAAAAABkAAAAMgAAAAAAAABkAAAAAAAAAH9/fwAKAAAAHwAAAFQAAAAAAAAFAAAAAQAAAAAAAAAAAAAAAAAAAAAAAAAAAAAAAAAAAAAAAAAAAAAAAn9/fwAAAAADzMzMAMDA/wB/f38AAAAAAAAAAAAAAAAAAAAAAAAAAAAhAAAAGAAAABQAAADQAgAAGycAAPAPAABZKQAAEAAAACYAAAAIAAAAAAAAAAAAAAA="/>
+                <pr:smNativeData xmlns:pr="smNativeData" val="SMDATA_13_5C6yYxMAAAAlAAAAZAAAAA8BAAAAkAAAAEgAAACQAAAASAAAAAAAAAABAAAAAAAAAAEAAABQAAAAAAAAAAAA4D8AAAAAAADgPwAAAAAAAOA/AAAAAAAA4D8AAAAAAADgPwAAAAAAAOA/AAAAAAAA4D8AAAAAAADgPwAAAAAAAOA/AAAAAAAA4D8CAAAAjAAAAAAAAAAAAAAAu+DjDP///wgAAAAAAAAAAAAAAAAAAAAAAAAAAAAAAAAAAAAAZAAAAAEAAABAAAAAAAAAAAAAAAAAAAAAAAAAAAAAAAAAAAAAAAAAAAAAAAAAAAAAAAAAAAAAAAAAAAAAAAAAAAAAAAAAAAAAAAAAAAAAAAAAAAAAAAAAAAAAAAAAAAAAFAAAADwAAAAAAAAAAAAAAAAAAAkUAAAAAQAAABQAAAAUAAAAFAAAAAEAAAAAAAAAZAAAAGQAAAAAAAAAZAAAAGQAAAAVAAAAYAAAAAAAAAAAAAAADwAAACADAAAAAAAAAAAAAAEAAACgMgAAVgcAAKr4//8BAAAAf39/AAEAAABkAAAAAAAAABQAAABAHwAAAAAAACYAAAAAAAAAwOD//wAAAAAmAAAAZAAAABYAAABMAAAAAAAAAAAAAAAEAAAAAAAAAAEAAACAgIAKAAAAACgAAAAoAAAAZAAAAGQAAAAAAAAAzMzMAAAAAABQAAAAUAAAAGQAAABkAAAAAAAAABcAAAAUAAAAAAAAAAAAAAD/fwAA/38AAAAAAAAJAAAABAAAAAAAAAAMAAAAEAAAAAAAAAAAAAAAAAAAAAAAAAAeAAAAaAAAAAAAAAAAAAAAAAAAAAAAAAAAAAAAECcAABAnAAAAAAAAAAAAAAAAAAAAAAAAAAAAAAAAAAAAAAAAAAAAABQAAAAAAAAAwMD/AAAAAABkAAAAMgAAAAAAAABkAAAAAAAAAH9/fwAKAAAAHwAAAFQAAAAAAAAFAAAAAQAAAAAAAAAAAAAAAAAAAAAAAAAAAAAAAAAAAAAAAAAAAAAAAn9/fwAAAAADzMzMAMDA/wB/f38AAAAAAAAAAAAAAAAAAAAAAAAAAAAhAAAAGAAAABQAAADQAgAAGycAAPAPAABZKQAAEAAAACYAAAAIAAAAAAAAAAAAAAA="/>
               </a:ext>
             </a:extLst>
           </p:cNvSpPr>
@@ -2104,7 +2105,7 @@
           <a:lstStyle/>
           <a:p>
             <a:pPr/>
-            <a:fld id="{0B3B5691-DFE6-6EA0-A883-29F518CD5E7C}" type="datetime1">
+            <a:fld id="{06341B27-69EB-61ED-A58C-9FB855C253CA}" type="datetime1">
               <a:t/>
             </a:fld>
           </a:p>
@@ -2117,7 +2118,7 @@
             <a:spLocks noGrp="1" noChangeArrowheads="1"/>
             <a:extLst>
               <a:ext uri="smNativeData">
-                <pr:smNativeData xmlns:pr="smNativeData" val="SMDATA_13_8OOwYxMAAAAlAAAAZAAAAA8BAAAAkAAAAEgAAACQAAAASAAAAAAAAAABAAAAAAAAAAEAAABQAAAAAAAAAAAA4D8AAAAAAADgPwAAAAAAAOA/AAAAAAAA4D8AAAAAAADgPwAAAAAAAOA/AAAAAAAA4D8AAAAAAADgPwAAAAAAAOA/AAAAAAAA4D8CAAAAjAAAAAAAAAAAAAAAu+DjDP///wgAAAAAAAAAAAAAAAAAAAAAAAAAAAAAAAAAAAAAZAAAAAEAAABAAAAAAAAAAAAAAAAAAAAAAAAAAAAAAAAAAAAAAAAAAAAAAAAAAAAAAAAAAAAAAAAAAAAAAAAAAAAAAAAAAAAAAAAAAAAAAAAAAAAAAAAAAAAAAAAAAAAAFAAAADwAAAAAAAAAAAAAAAAAAAkUAAAAAQAAABQAAAAUAAAAFAAAAAEAAAAAAAAAZAAAAGQAAAAAAAAAZAAAAGQAAAAVAAAAYAAAAAAAAAAAAAAADwAAACADAAAAAAAAAAAAAAEAAACgMgAAVgcAAKr4//8BAAAAf39/AAEAAABkAAAAAAAAABQAAABAHwAAAAAAACYAAAAAAAAAwOD//wAAAAAmAAAAZAAAABYAAABMAAAAAAAAAAAAAAAEAAAAAAAAAAEAAACAgIAKAAAAACgAAAAoAAAAZAAAAGQAAAAAAAAAzMzMAAAAAABQAAAAUAAAAGQAAABkAAAAAAAAABcAAAAUAAAAAAAAAAAAAAD/fwAA/38AAAAAAAAJAAAABAAAAAAAAAAMAAAAEAAAAAAAAAAAAAAAAAAAAAAAAAAeAAAAaAAAAAAAAAAAAAAAAAAAAAAAAAAAAAAAECcAABAnAAAAAAAAAAAAAAAAAAAAAAAAAAAAAAAAAAAAAAAAAAAAABQAAAAAAAAAwMD/AAAAAABkAAAAMgAAAAAAAABkAAAAAAAAAH9/fwAKAAAAHwAAAFQAAAAAAAAFAAAAAQAAAAAAAAAAAAAAAAAAAAAAAAAAAAAAAAAAAAAAAAAAAAAAAn9/fwAAAAADzMzMAMDA/wB/f38AAAAAAAAAAAAAAAAAAAAAAAAAAAAhAAAAGAAAABQAAAA4EwAAGycAAAglAABZKQAAEAAAACYAAAAIAAAAAAAAAAAAAAA="/>
+                <pr:smNativeData xmlns:pr="smNativeData" val="SMDATA_13_5C6yYxMAAAAlAAAAZAAAAA8BAAAAkAAAAEgAAACQAAAASAAAAAAAAAABAAAAAAAAAAEAAABQAAAAAAAAAAAA4D8AAAAAAADgPwAAAAAAAOA/AAAAAAAA4D8AAAAAAADgPwAAAAAAAOA/AAAAAAAA4D8AAAAAAADgPwAAAAAAAOA/AAAAAAAA4D8CAAAAjAAAAAAAAAAAAAAAu+DjDP///wgAAAAAAAAAAAAAAAAAAAAAAAAAAAAAAAAAAAAAZAAAAAEAAABAAAAAAAAAAAAAAAAAAAAAAAAAAAAAAAAAAAAAAAAAAAAAAAAAAAAAAAAAAAAAAAAAAAAAAAAAAAAAAAAAAAAAAAAAAAAAAAAAAAAAAAAAAAAAAAAAAAAAFAAAADwAAAAAAAAAAAAAAAAAAAkUAAAAAQAAABQAAAAUAAAAFAAAAAEAAAAAAAAAZAAAAGQAAAAAAAAAZAAAAGQAAAAVAAAAYAAAAAAAAAAAAAAADwAAACADAAAAAAAAAAAAAAEAAACgMgAAVgcAAKr4//8BAAAAf39/AAEAAABkAAAAAAAAABQAAABAHwAAAAAAACYAAAAAAAAAwOD//wAAAAAmAAAAZAAAABYAAABMAAAAAAAAAAAAAAAEAAAAAAAAAAEAAACAgIAKAAAAACgAAAAoAAAAZAAAAGQAAAAAAAAAzMzMAAAAAABQAAAAUAAAAGQAAABkAAAAAAAAABcAAAAUAAAAAAAAAAAAAAD/fwAA/38AAAAAAAAJAAAABAAAAAAAAAAMAAAAEAAAAAAAAAAAAAAAAAAAAAAAAAAeAAAAaAAAAAAAAAAAAAAAAAAAAAAAAAAAAAAAECcAABAnAAAAAAAAAAAAAAAAAAAAAAAAAAAAAAAAAAAAAAAAAAAAABQAAAAAAAAAwMD/AAAAAABkAAAAMgAAAAAAAABkAAAAAAAAAH9/fwAKAAAAHwAAAFQAAAAAAAAFAAAAAQAAAAAAAAAAAAAAAAAAAAAAAAAAAAAAAAAAAAAAAAAAAAAAAn9/fwAAAAADzMzMAMDA/wB/f38AAAAAAAAAAAAAAAAAAAAAAAAAAAAhAAAAGAAAABQAAAA4EwAAGycAAAglAABZKQAAEAAAACYAAAAIAAAAAAAAAAAAAAA="/>
               </a:ext>
             </a:extLst>
           </p:cNvSpPr>
@@ -2141,7 +2142,7 @@
             <a:spLocks noGrp="1" noChangeArrowheads="1"/>
             <a:extLst>
               <a:ext uri="smNativeData">
-                <pr:smNativeData xmlns:pr="smNativeData" val="SMDATA_13_8OOwYxMAAAAlAAAAZAAAAA8BAAAAkAAAAEgAAACQAAAASAAAAAAAAAABAAAAAAAAAAEAAABQAAAAAAAAAAAA4D8AAAAAAADgPwAAAAAAAOA/AAAAAAAA4D8AAAAAAADgPwAAAAAAAOA/AAAAAAAA4D8AAAAAAADgPwAAAAAAAOA/AAAAAAAA4D8CAAAAjAAAAAAAAAAAAAAAu+DjDP///wgAAAAAAAAAAAAAAAAAAAAAAAAAAAAAAAAAAAAAZAAAAAEAAABAAAAAAAAAAAAAAAAAAAAAAAAAAAAAAAAAAAAAAAAAAAAAAAAAAAAAAAAAAAAAAAAAAAAAAAAAAAAAAAAAAAAAAAAAAAAAAAAAAAAAAAAAAAAAAAAAAAAAFAAAADwAAAAAAAAAAAAAAAAAAAkUAAAAAQAAABQAAAAUAAAAFAAAAAEAAAAAAAAAZAAAAGQAAAAAAAAAZAAAAGQAAAAVAAAAYAAAAAAAAAAAAAAADwAAACADAAAAAAAAAAAAAAEAAACgMgAAVgcAAKr4//8BAAAAf39/AAEAAABkAAAAAAAAABQAAABAHwAAAAAAACYAAAAAAAAAwOD//wAAAAAmAAAAZAAAABYAAABMAAAAAAAAAAAAAAAEAAAAAAAAAAEAAACAgIAKAAAAACgAAAAoAAAAZAAAAGQAAAAAAAAAzMzMAAAAAABQAAAAUAAAAGQAAABkAAAAAAAAABcAAAAUAAAAAAAAAAAAAAD/fwAA/38AAAAAAAAJAAAABAAAADIAAAAMAAAAEAAAAAAAAAAAAAAAAAAAAAAAAAAeAAAAaAAAAAAAAAAAAAAAAAAAAAAAAAAAAAAAECcAABAnAAAAAAAAAAAAAAAAAAAAAAAAAAAAAAAAAAAAAAAAAAAAABQAAAAAAAAAwMD/AAAAAABkAAAAMgAAAAAAAABkAAAAAAAAAH9/fwAKAAAAHwAAAFQAAAAAAAAFAAAAAQAAAAAAAAAAAAAAAAAAAAAAAAAAAAAAAAAAAAAAAAAAAAAAAn9/fwAAAAADzMzMAMDA/wB/f38AAAAAAAAAAAAAAAAAAAAAAAAAAAAhAAAAGAAAABQAAABQKAAAGycAAHA1AABZKQAAEAAAACYAAAAIAAAAAAAAAAAAAAA="/>
+                <pr:smNativeData xmlns:pr="smNativeData" val="SMDATA_13_5C6yYxMAAAAlAAAAZAAAAA8BAAAAkAAAAEgAAACQAAAASAAAAAAAAAABAAAAAAAAAAEAAABQAAAAAAAAAAAA4D8AAAAAAADgPwAAAAAAAOA/AAAAAAAA4D8AAAAAAADgPwAAAAAAAOA/AAAAAAAA4D8AAAAAAADgPwAAAAAAAOA/AAAAAAAA4D8CAAAAjAAAAAAAAAAAAAAAu+DjDP///wgAAAAAAAAAAAAAAAAAAAAAAAAAAAAAAAAAAAAAZAAAAAEAAABAAAAAAAAAAAAAAAAAAAAAAAAAAAAAAAAAAAAAAAAAAAAAAAAAAAAAAAAAAAAAAAAAAAAAAAAAAAAAAAAAAAAAAAAAAAAAAAAAAAAAAAAAAAAAAAAAAAAAFAAAADwAAAAAAAAAAAAAAAAAAAkUAAAAAQAAABQAAAAUAAAAFAAAAAEAAAAAAAAAZAAAAGQAAAAAAAAAZAAAAGQAAAAVAAAAYAAAAAAAAAAAAAAADwAAACADAAAAAAAAAAAAAAEAAACgMgAAVgcAAKr4//8BAAAAf39/AAEAAABkAAAAAAAAABQAAABAHwAAAAAAACYAAAAAAAAAwOD//wAAAAAmAAAAZAAAABYAAABMAAAAAAAAAAAAAAAEAAAAAAAAAAEAAACAgIAKAAAAACgAAAAoAAAAZAAAAGQAAAAAAAAAzMzMAAAAAABQAAAAUAAAAGQAAABkAAAAAAAAABcAAAAUAAAAAAAAAAAAAAD/fwAA/38AAAAAAAAJAAAABAAAADIAAAAMAAAAEAAAAAAAAAAAAAAAAAAAAAAAAAAeAAAAaAAAAAAAAAAAAAAAAAAAAAAAAAAAAAAAECcAABAnAAAAAAAAAAAAAAAAAAAAAAAAAAAAAAAAAAAAAAAAAAAAABQAAAAAAAAAwMD/AAAAAABkAAAAMgAAAAAAAABkAAAAAAAAAH9/fwAKAAAAHwAAAFQAAAAAAAAFAAAAAQAAAAAAAAAAAAAAAAAAAAAAAAAAAAAAAAAAAAAAAAAAAAAAAn9/fwAAAAADzMzMAMDA/wB/f38AAAAAAAAAAAAAAAAAAAAAAAAAAAAhAAAAGAAAABQAAABQKAAAGycAAHA1AABZKQAAEAAAACYAAAAIAAAAAAAAAAAAAAA="/>
               </a:ext>
             </a:extLst>
           </p:cNvSpPr>
@@ -2155,7 +2156,7 @@
           <a:lstStyle/>
           <a:p>
             <a:pPr/>
-            <a:fld id="{0B3B5266-28E6-6EA4-A883-DEF11CCD5E8B}" type="slidenum">
+            <a:fld id="{06340FB5-FBEB-61F9-A58C-0DAC41C25358}" type="slidenum">
               <a:t/>
             </a:fld>
           </a:p>
@@ -2193,7 +2194,7 @@
             <a:spLocks noGrp="1" noChangeArrowheads="1"/>
             <a:extLst>
               <a:ext uri="smNativeData">
-                <pr:smNativeData xmlns:pr="smNativeData" val="SMDATA_13_8OOwYxMAAAAlAAAAZAAAAA8BAAAAkAAAAEgAAACQAAAASAAAAAAAAAACAAAAAAAAAAEAAABQAAAAAAAAAAAA4D8AAAAAAADgPwAAAAAAAOA/AAAAAAAA4D8AAAAAAADgPwAAAAAAAOA/AAAAAAAA4D8AAAAAAADgPwAAAAAAAOA/AAAAAAAA4D8CAAAAjAAAAAAAAAAAAAAAu+DjDP///wgAAAAAAAAAAAAAAAAAAAAAAAAAAAAAAAAAAAAAZAAAAAEAAABAAAAAAAAAAAAAAAAAAAAAAAAAAAAAAAAAAAAAAAAAAAAAAAAAAAAAAAAAAAAAAAAAAAAAAAAAAAAAAAAAAAAAAAAAAAAAAAAAAAAAAAAAAAAAAAAAAAAAFAAAADwAAAAAAAAAAAAAAAAAAAkUAAAAAQAAABQAAAAUAAAAFAAAAAEAAAAAAAAAZAAAAGQAAAAAAAAAZAAAAGQAAAAVAAAAYAAAAAAAAAAAAAAADwAAACADAAAAAAAAAAAAAAEAAACgMgAAVgcAAKr4//8BAAAAf39/AAEAAABkAAAAAAAAABQAAABAHwAAAAAAACYAAAAAAAAAwOD//wAAAAAmAAAAZAAAABYAAABMAAAAAAAAAAAAAAAEAAAAAAAAAAEAAACAgIAKAAAAACgAAAAoAAAAZAAAAGQAAAAAAAAAzMzMAAAAAABQAAAAUAAAAGQAAABkAAAAAAAAABcAAAAUAAAAAAAAAAAAAAD/fwAA/38AAAAAAAAJAAAABAAAAAAAAAAMAAAAEAAAAAAAAAAAAAAAAAAAAAAAAAAeAAAAaAAAAAAAAAAAAAAAAAAAAAAAAAAAAAAAECcAABAnAAAAAAAAAAAAAAAAAAAAAAAAAAAAAAAAAAAAAAAAAAAAABQAAAAAAAAAwMD/AAAAAABkAAAAMgAAAAAAAABkAAAAAAAAAH9/fwAKAAAAHwAAAFQAAAAAAAAFAAAAAQAAAAAAAAAAAAAAAAAAAAAAAAAAAAAAAAAAAAAAAAAAAAAAAn9/fwAAAAADzMzMAMDA/wB/f38AAAAAAAAAAAAAAAAAAAAAAAAAAAAhAAAAGAAAABQAAADQAgAArgEAAFIVAADUCAAAEAAAACYAAAAIAAAAgYAAAAAAAAA="/>
+                <pr:smNativeData xmlns:pr="smNativeData" val="SMDATA_13_5C6yYxMAAAAlAAAAZAAAAA8BAAAAkAAAAEgAAACQAAAASAAAAAAAAAACAAAAAAAAAAEAAABQAAAAAAAAAAAA4D8AAAAAAADgPwAAAAAAAOA/AAAAAAAA4D8AAAAAAADgPwAAAAAAAOA/AAAAAAAA4D8AAAAAAADgPwAAAAAAAOA/AAAAAAAA4D8CAAAAjAAAAAAAAAAAAAAAu+DjDP///wgAAAAAAAAAAAAAAAAAAAAAAAAAAAAAAAAAAAAAZAAAAAEAAABAAAAAAAAAAAAAAAAAAAAAAAAAAAAAAAAAAAAAAAAAAAAAAAAAAAAAAAAAAAAAAAAAAAAAAAAAAAAAAAAAAAAAAAAAAAAAAAAAAAAAAAAAAAAAAAAAAAAAFAAAADwAAAAAAAAAAAAAAAAAAAkUAAAAAQAAABQAAAAUAAAAFAAAAAEAAAAAAAAAZAAAAGQAAAAAAAAAZAAAAGQAAAAVAAAAYAAAAAAAAAAAAAAADwAAACADAAAAAAAAAAAAAAEAAACgMgAAVgcAAKr4//8BAAAAf39/AAEAAABkAAAAAAAAABQAAABAHwAAAAAAACYAAAAAAAAAwOD//wAAAAAmAAAAZAAAABYAAABMAAAAAAAAAAAAAAAEAAAAAAAAAAEAAACAgIAKAAAAACgAAAAoAAAAZAAAAGQAAAAAAAAAzMzMAAAAAABQAAAAUAAAAGQAAABkAAAAAAAAABcAAAAUAAAAAAAAAAAAAAD/fwAA/38AAAAAAAAJAAAABAAAAAAAAAAMAAAAEAAAAAAAAAAAAAAAAAAAAAAAAAAeAAAAaAAAAAAAAAAAAAAAAAAAAAAAAAAAAAAAECcAABAnAAAAAAAAAAAAAAAAAAAAAAAAAAAAAAAAAAAAAAAAAAAAABQAAAAAAAAAwMD/AAAAAABkAAAAMgAAAAAAAABkAAAAAAAAAH9/fwAKAAAAHwAAAFQAAAAAAAAFAAAAAQAAAAAAAAAAAAAAAAAAAAAAAAAAAAAAAAAAAAAAAAAAAAAAAn9/fwAAAAADzMzMAMDA/wB/f38AAAAAAAAAAAAAAAAAAAAAAAAAAAAhAAAAGAAAABQAAADQAgAArgEAAFIVAADUCAAAEAAAACYAAAAIAAAAgYAAAAAAAAA="/>
               </a:ext>
             </a:extLst>
           </p:cNvSpPr>
@@ -2233,7 +2234,7 @@
             <a:spLocks noGrp="1" noChangeArrowheads="1"/>
             <a:extLst>
               <a:ext uri="smNativeData">
-                <pr:smNativeData xmlns:pr="smNativeData" val="SMDATA_13_8OOwYxMAAAAlAAAAZAAAAA8BAAAAkAAAAEgAAACQAAAASAAAAAAAAAAAAAAAAAAAAAEAAABQAAAAAAAAAAAA4D8AAAAAAADgPwAAAAAAAOA/AAAAAAAA4D8AAAAAAADgPwAAAAAAAOA/AAAAAAAA4D8AAAAAAADgPwAAAAAAAOA/AAAAAAAA4D8CAAAAjAAAAAAAAAAAAAAAu+DjDP///wgAAAAAAAAAAAAAAAAAAAAAAAAAAAAAAAAAAAAAZAAAAAEAAABAAAAAAAAAAAAAAAAAAAAAAAAAAAAAAAAAAAAAAAAAAAAAAAAAAAAAAAAAAAAAAAAAAAAAAAAAAAAAAAAAAAAAAAAAAAAAAAAAAAAAAAAAAAAAAAAAAAAAFAAAADwAAAAAAAAAAAAAAAAAAAkUAAAAAQAAABQAAAAUAAAAFAAAAAEAAAAAAAAAZAAAAGQAAAAAAAAAZAAAAGQAAAAVAAAAYAAAAAAAAAAAAAAADwAAACADAAAAAAAAAAAAAAEAAACgMgAAVgcAAKr4//8BAAAAf39/AAEAAABkAAAAAAAAABQAAABAHwAAAAAAACYAAAAAAAAAwOD//wAAAAAmAAAAZAAAABYAAABMAAAAAAAAAAAAAAAEAAAAAAAAAAEAAACAgIAKAAAAACgAAAAoAAAAZAAAAGQAAAAAAAAAzMzMAAAAAABQAAAAUAAAAGQAAABkAAAAAAAAABcAAAAUAAAAAAAAAAAAAAD/fwAA/38AAAAAAAAJAAAABAAAADIAATMMAAAAEAAAAAAAAAAAAAAAAAAAAAAAAAAeAAAAaAAAAAAAAAAAAAAAAAAAAAAAAAAAAAAAECcAABAnAAAAAAAAAAAAAAAAAAAAAAAAAAAAAAAAAAAAAAAAAAAAABQAAAAAAAAAwMD/AAAAAABkAAAAMgAAAAAAAABkAAAAAAAAAH9/fwAKAAAAHwAAAFQAAAAAAAAFAAAAAQAAAAAAAAAAAAAAAAAAAAAAAAAAAAAAAAAAAAAAAAAAAAAAAn9/fwAAAAADzMzMAMDA/wB/f38AAAAAAAAAAAAAAAAAAAAAAAAAAAAhAAAAGAAAABQAAAD+FQAArgEAAHA1AACwJQAAEAAAACYAAAAIAAAAAYAAAAAAAAA="/>
+                <pr:smNativeData xmlns:pr="smNativeData" val="SMDATA_13_5C6yYxMAAAAlAAAAZAAAAA8BAAAAkAAAAEgAAACQAAAASAAAAAAAAAAAAAAAAAAAAAEAAABQAAAAAAAAAAAA4D8AAAAAAADgPwAAAAAAAOA/AAAAAAAA4D8AAAAAAADgPwAAAAAAAOA/AAAAAAAA4D8AAAAAAADgPwAAAAAAAOA/AAAAAAAA4D8CAAAAjAAAAAAAAAAAAAAAu+DjDP///wgAAAAAAAAAAAAAAAAAAAAAAAAAAAAAAAAAAAAAZAAAAAEAAABAAAAAAAAAAAAAAAAAAAAAAAAAAAAAAAAAAAAAAAAAAAAAAAAAAAAAAAAAAAAAAAAAAAAAAAAAAAAAAAAAAAAAAAAAAAAAAAAAAAAAAAAAAAAAAAAAAAAAFAAAADwAAAAAAAAAAAAAAAAAAAkUAAAAAQAAABQAAAAUAAAAFAAAAAEAAAAAAAAAZAAAAGQAAAAAAAAAZAAAAGQAAAAVAAAAYAAAAAAAAAAAAAAADwAAACADAAAAAAAAAAAAAAEAAACgMgAAVgcAAKr4//8BAAAAf39/AAEAAABkAAAAAAAAABQAAABAHwAAAAAAACYAAAAAAAAAwOD//wAAAAAmAAAAZAAAABYAAABMAAAAAAAAAAAAAAAEAAAAAAAAAAEAAACAgIAKAAAAACgAAAAoAAAAZAAAAGQAAAAAAAAAzMzMAAAAAABQAAAAUAAAAGQAAABkAAAAAAAAABcAAAAUAAAAAAAAAAAAAAD/fwAA/38AAAAAAAAJAAAABAAAADIAATMMAAAAEAAAAAAAAAAAAAAAAAAAAAAAAAAeAAAAaAAAAAAAAAAAAAAAAAAAAAAAAAAAAAAAECcAABAnAAAAAAAAAAAAAAAAAAAAAAAAAAAAAAAAAAAAAAAAAAAAABQAAAAAAAAAwMD/AAAAAABkAAAAMgAAAAAAAABkAAAAAAAAAH9/fwAKAAAAHwAAAFQAAAAAAAAFAAAAAQAAAAAAAAAAAAAAAAAAAAAAAAAAAAAAAAAAAAAAAAAAAAAAAn9/fwAAAAADzMzMAMDA/wB/f38AAAAAAAAAAAAAAAAAAAAAAAAAAAAhAAAAGAAAABQAAAD+FQAArgEAAHA1AACwJQAAEAAAACYAAAAIAAAAAYAAAAAAAAA="/>
               </a:ext>
             </a:extLst>
           </p:cNvSpPr>
@@ -2317,7 +2318,7 @@
             <a:spLocks noGrp="1" noChangeArrowheads="1"/>
             <a:extLst>
               <a:ext uri="smNativeData">
-                <pr:smNativeData xmlns:pr="smNativeData" val="SMDATA_13_8OOwYxMAAAAlAAAAZAAAAA8BAAAAkAAAAEgAAACQAAAASAAAAAAAAAAAAAAAAAAAAAEAAABQAAAAAAAAAAAA4D8AAAAAAADgPwAAAAAAAOA/AAAAAAAA4D8AAAAAAADgPwAAAAAAAOA/AAAAAAAA4D8AAAAAAADgPwAAAAAAAOA/AAAAAAAA4D8CAAAAjAAAAAAAAAAAAAAAu+DjDP///wgAAAAAAAAAAAAAAAAAAAAAAAAAAAAAAAAAAAAAZAAAAAEAAABAAAAAAAAAAAAAAAAAAAAAAAAAAAAAAAAAAAAAAAAAAAAAAAAAAAAAAAAAAAAAAAAAAAAAAAAAAAAAAAAAAAAAAAAAAAAAAAAAAAAAAAAAAAAAAAAAAAAAFAAAADwAAAAAAAAAAAAAAAAAAAkUAAAAAQAAABQAAAAUAAAAFAAAAAEAAAAAAAAAZAAAAGQAAAAAAAAAZAAAAGQAAAAVAAAAYAAAAAAAAAAAAAAADwAAACADAAAAAAAAAAAAAAEAAACgMgAAVgcAAKr4//8BAAAAf39/AAEAAABkAAAAAAAAABQAAABAHwAAAAAAACYAAAAAAAAAwOD//wAAAAAmAAAAZAAAABYAAABMAAAAAAAAAAAAAAAEAAAAAAAAAAEAAACAgIAKAAAAACgAAAAoAAAAZAAAAGQAAAAAAAAAzMzMAAAAAABQAAAAUAAAAGQAAABkAAAAAAAAABcAAAAUAAAAAAAAAAAAAAD/fwAA/38AAAAAAAAJAAAABAAAAGQAAAAMAAAAEAAAAAAAAAAAAAAAAAAAAAAAAAAeAAAAaAAAAAAAAAAAAAAAAAAAAAAAAAAAAAAAECcAABAnAAAAAAAAAAAAAAAAAAAAAAAAAAAAAAAAAAAAAAAAAAAAABQAAAAAAAAAwMD/AAAAAABkAAAAMgAAAAAAAABkAAAAAAAAAH9/fwAKAAAAHwAAAFQAAAAAAAAFAAAAAQAAAAAAAAAAAAAAAAAAAAAAAAAAAAAAAAAAAAAAAAAAAAAAAn9/fwAAAAADzMzMAMDA/wB/f38AAAAAAAAAAAAAAAAAAAAAAAAAAAAhAAAAGAAAABQAAADQAgAA1AgAAFIVAACwJQAAEAAAACYAAAAIAAAAAYAAAAAAAAA="/>
+                <pr:smNativeData xmlns:pr="smNativeData" val="SMDATA_13_5C6yYxMAAAAlAAAAZAAAAA8BAAAAkAAAAEgAAACQAAAASAAAAAAAAAAAAAAAAAAAAAEAAABQAAAAAAAAAAAA4D8AAAAAAADgPwAAAAAAAOA/AAAAAAAA4D8AAAAAAADgPwAAAAAAAOA/AAAAAAAA4D8AAAAAAADgPwAAAAAAAOA/AAAAAAAA4D8CAAAAjAAAAAAAAAAAAAAAu+DjDP///wgAAAAAAAAAAAAAAAAAAAAAAAAAAAAAAAAAAAAAZAAAAAEAAABAAAAAAAAAAAAAAAAAAAAAAAAAAAAAAAAAAAAAAAAAAAAAAAAAAAAAAAAAAAAAAAAAAAAAAAAAAAAAAAAAAAAAAAAAAAAAAAAAAAAAAAAAAAAAAAAAAAAAFAAAADwAAAAAAAAAAAAAAAAAAAkUAAAAAQAAABQAAAAUAAAAFAAAAAEAAAAAAAAAZAAAAGQAAAAAAAAAZAAAAGQAAAAVAAAAYAAAAAAAAAAAAAAADwAAACADAAAAAAAAAAAAAAEAAACgMgAAVgcAAKr4//8BAAAAf39/AAEAAABkAAAAAAAAABQAAABAHwAAAAAAACYAAAAAAAAAwOD//wAAAAAmAAAAZAAAABYAAABMAAAAAAAAAAAAAAAEAAAAAAAAAAEAAACAgIAKAAAAACgAAAAoAAAAZAAAAGQAAAAAAAAAzMzMAAAAAABQAAAAUAAAAGQAAABkAAAAAAAAABcAAAAUAAAAAAAAAAAAAAD/fwAA/38AAAAAAAAJAAAABAAAAGQAAAAMAAAAEAAAAAAAAAAAAAAAAAAAAAAAAAAeAAAAaAAAAAAAAAAAAAAAAAAAAAAAAAAAAAAAECcAABAnAAAAAAAAAAAAAAAAAAAAAAAAAAAAAAAAAAAAAAAAAAAAABQAAAAAAAAAwMD/AAAAAABkAAAAMgAAAAAAAABkAAAAAAAAAH9/fwAKAAAAHwAAAFQAAAAAAAAFAAAAAQAAAAAAAAAAAAAAAAAAAAAAAAAAAAAAAAAAAAAAAAAAAAAAAn9/fwAAAAADzMzMAMDA/wB/f38AAAAAAAAAAAAAAAAAAAAAAAAAAAAhAAAAGAAAABQAAADQAgAA1AgAAFIVAACwJQAAEAAAACYAAAAIAAAAAYAAAAAAAAA="/>
               </a:ext>
             </a:extLst>
           </p:cNvSpPr>
@@ -2386,7 +2387,7 @@
             <a:spLocks noGrp="1" noChangeArrowheads="1"/>
             <a:extLst>
               <a:ext uri="smNativeData">
-                <pr:smNativeData xmlns:pr="smNativeData" val="SMDATA_13_8OOwYxMAAAAlAAAAZAAAAA8BAAAAkAAAAEgAAACQAAAASAAAAAAAAAABAAAAAAAAAAEAAABQAAAAAAAAAAAA4D8AAAAAAADgPwAAAAAAAOA/AAAAAAAA4D8AAAAAAADgPwAAAAAAAOA/AAAAAAAA4D8AAAAAAADgPwAAAAAAAOA/AAAAAAAA4D8CAAAAjAAAAAAAAAAAAAAAu+DjDP///wgAAAAAAAAAAAAAAAAAAAAAAAAAAAAAAAAAAAAAZAAAAAEAAABAAAAAAAAAAAAAAAAAAAAAAAAAAAAAAAAAAAAAAAAAAAAAAAAAAAAAAAAAAAAAAAAAAAAAAAAAAAAAAAAAAAAAAAAAAAAAAAAAAAAAAAAAAAAAAAAAAAAAFAAAADwAAAAAAAAAAAAAAAAAAAkUAAAAAQAAABQAAAAUAAAAFAAAAAEAAAAAAAAAZAAAAGQAAAAAAAAAZAAAAGQAAAAVAAAAYAAAAAAAAAAAAAAADwAAACADAAAAAAAAAAAAAAEAAACgMgAAVgcAAKr4//8BAAAAf39/AAEAAABkAAAAAAAAABQAAABAHwAAAAAAACYAAAAAAAAAwOD//wAAAAAmAAAAZAAAABYAAABMAAAAAAAAAAAAAAAEAAAAAAAAAAEAAACAgIAKAAAAACgAAAAoAAAAZAAAAGQAAAAAAAAAzMzMAAAAAABQAAAAUAAAAGQAAABkAAAAAAAAABcAAAAUAAAAAAAAAAAAAAD/fwAA/38AAAAAAAAJAAAABAAAAAAAAAAMAAAAEAAAAAAAAAAAAAAAAAAAAAAAAAAeAAAAaAAAAAAAAAAAAAAAAAAAAAAAAAAAAAAAECcAABAnAAAAAAAAAAAAAAAAAAAAAAAAAAAAAAAAAAAAAAAAAAAAABQAAAAAAAAAwMD/AAAAAABkAAAAMgAAAAAAAABkAAAAAAAAAH9/fwAKAAAAHwAAAFQAAAAAAAAFAAAAAQAAAAAAAAAAAAAAAAAAAAAAAAAAAAAAAAAAAAAAAAAAAAAAAn9/fwAAAAADzMzMAMDA/wB/f38AAAAAAAAAAAAAAAAAAAAAAAAAAAAhAAAAGAAAABQAAADQAgAAGycAAPAPAABZKQAAEAAAACYAAAAIAAAAAAAAAAAAAAA="/>
+                <pr:smNativeData xmlns:pr="smNativeData" val="SMDATA_13_5C6yYxMAAAAlAAAAZAAAAA8BAAAAkAAAAEgAAACQAAAASAAAAAAAAAABAAAAAAAAAAEAAABQAAAAAAAAAAAA4D8AAAAAAADgPwAAAAAAAOA/AAAAAAAA4D8AAAAAAADgPwAAAAAAAOA/AAAAAAAA4D8AAAAAAADgPwAAAAAAAOA/AAAAAAAA4D8CAAAAjAAAAAAAAAAAAAAAu+DjDP///wgAAAAAAAAAAAAAAAAAAAAAAAAAAAAAAAAAAAAAZAAAAAEAAABAAAAAAAAAAAAAAAAAAAAAAAAAAAAAAAAAAAAAAAAAAAAAAAAAAAAAAAAAAAAAAAAAAAAAAAAAAAAAAAAAAAAAAAAAAAAAAAAAAAAAAAAAAAAAAAAAAAAAFAAAADwAAAAAAAAAAAAAAAAAAAkUAAAAAQAAABQAAAAUAAAAFAAAAAEAAAAAAAAAZAAAAGQAAAAAAAAAZAAAAGQAAAAVAAAAYAAAAAAAAAAAAAAADwAAACADAAAAAAAAAAAAAAEAAACgMgAAVgcAAKr4//8BAAAAf39/AAEAAABkAAAAAAAAABQAAABAHwAAAAAAACYAAAAAAAAAwOD//wAAAAAmAAAAZAAAABYAAABMAAAAAAAAAAAAAAAEAAAAAAAAAAEAAACAgIAKAAAAACgAAAAoAAAAZAAAAGQAAAAAAAAAzMzMAAAAAABQAAAAUAAAAGQAAABkAAAAAAAAABcAAAAUAAAAAAAAAAAAAAD/fwAA/38AAAAAAAAJAAAABAAAAAAAAAAMAAAAEAAAAAAAAAAAAAAAAAAAAAAAAAAeAAAAaAAAAAAAAAAAAAAAAAAAAAAAAAAAAAAAECcAABAnAAAAAAAAAAAAAAAAAAAAAAAAAAAAAAAAAAAAAAAAAAAAABQAAAAAAAAAwMD/AAAAAABkAAAAMgAAAAAAAABkAAAAAAAAAH9/fwAKAAAAHwAAAFQAAAAAAAAFAAAAAQAAAAAAAAAAAAAAAAAAAAAAAAAAAAAAAAAAAAAAAAAAAAAAAn9/fwAAAAADzMzMAMDA/wB/f38AAAAAAAAAAAAAAAAAAAAAAAAAAAAhAAAAGAAAABQAAADQAgAAGycAAPAPAABZKQAAEAAAACYAAAAIAAAAAAAAAAAAAAA="/>
               </a:ext>
             </a:extLst>
           </p:cNvSpPr>
@@ -2400,7 +2401,7 @@
           <a:lstStyle/>
           <a:p>
             <a:pPr/>
-            <a:fld id="{0B3B7C8A-C4E6-6E8A-A883-32DF32CD5E67}" type="datetime1">
+            <a:fld id="{063463F2-BCEB-6195-A58C-4AC02DC2531F}" type="datetime1">
               <a:t/>
             </a:fld>
           </a:p>
@@ -2413,7 +2414,7 @@
             <a:spLocks noGrp="1" noChangeArrowheads="1"/>
             <a:extLst>
               <a:ext uri="smNativeData">
-                <pr:smNativeData xmlns:pr="smNativeData" val="SMDATA_13_8OOwYxMAAAAlAAAAZAAAAA8BAAAAkAAAAEgAAACQAAAASAAAAAAAAAABAAAAAAAAAAEAAABQAAAAAAAAAAAA4D8AAAAAAADgPwAAAAAAAOA/AAAAAAAA4D8AAAAAAADgPwAAAAAAAOA/AAAAAAAA4D8AAAAAAADgPwAAAAAAAOA/AAAAAAAA4D8CAAAAjAAAAAAAAAAAAAAAu+DjDP///wgAAAAAAAAAAAAAAAAAAAAAAAAAAAAAAAAAAAAAZAAAAAEAAABAAAAAAAAAAAAAAAAAAAAAAAAAAAAAAAAAAAAAAAAAAAAAAAAAAAAAAAAAAAAAAAAAAAAAAAAAAAAAAAAAAAAAAAAAAAAAAAAAAAAAAAAAAAAAAAAAAAAAFAAAADwAAAAAAAAAAAAAAAAAAAkUAAAAAQAAABQAAAAUAAAAFAAAAAEAAAAAAAAAZAAAAGQAAAAAAAAAZAAAAGQAAAAVAAAAYAAAAAAAAAAAAAAADwAAACADAAAAAAAAAAAAAAEAAACgMgAAVgcAAKr4//8BAAAAf39/AAEAAABkAAAAAAAAABQAAABAHwAAAAAAACYAAAAAAAAAwOD//wAAAAAmAAAAZAAAABYAAABMAAAAAAAAAAAAAAAEAAAAAAAAAAEAAACAgIAKAAAAACgAAAAoAAAAZAAAAGQAAAAAAAAAzMzMAAAAAABQAAAAUAAAAGQAAABkAAAAAAAAABcAAAAUAAAAAAAAAAAAAAD/fwAA/38AAAAAAAAJAAAABAAAAAAAAAAMAAAAEAAAAAAAAAAAAAAAAAAAAAAAAAAeAAAAaAAAAAAAAAAAAAAAAAAAAAAAAAAAAAAAECcAABAnAAAAAAAAAAAAAAAAAAAAAAAAAAAAAAAAAAAAAAAAAAAAABQAAAAAAAAAwMD/AAAAAABkAAAAMgAAAAAAAABkAAAAAAAAAH9/fwAKAAAAHwAAAFQAAAAAAAAFAAAAAQAAAAAAAAAAAAAAAAAAAAAAAAAAAAAAAAAAAAAAAAAAAAAAAn9/fwAAAAADzMzMAMDA/wB/f38AAAAAAAAAAAAAAAAAAAAAAAAAAAAhAAAAGAAAABQAAAA4EwAAGycAAAglAABZKQAAEAAAACYAAAAIAAAAAAAAAAAAAAA="/>
+                <pr:smNativeData xmlns:pr="smNativeData" val="SMDATA_13_5C6yYxMAAAAlAAAAZAAAAA8BAAAAkAAAAEgAAACQAAAASAAAAAAAAAABAAAAAAAAAAEAAABQAAAAAAAAAAAA4D8AAAAAAADgPwAAAAAAAOA/AAAAAAAA4D8AAAAAAADgPwAAAAAAAOA/AAAAAAAA4D8AAAAAAADgPwAAAAAAAOA/AAAAAAAA4D8CAAAAjAAAAAAAAAAAAAAAu+DjDP///wgAAAAAAAAAAAAAAAAAAAAAAAAAAAAAAAAAAAAAZAAAAAEAAABAAAAAAAAAAAAAAAAAAAAAAAAAAAAAAAAAAAAAAAAAAAAAAAAAAAAAAAAAAAAAAAAAAAAAAAAAAAAAAAAAAAAAAAAAAAAAAAAAAAAAAAAAAAAAAAAAAAAAFAAAADwAAAAAAAAAAAAAAAAAAAkUAAAAAQAAABQAAAAUAAAAFAAAAAEAAAAAAAAAZAAAAGQAAAAAAAAAZAAAAGQAAAAVAAAAYAAAAAAAAAAAAAAADwAAACADAAAAAAAAAAAAAAEAAACgMgAAVgcAAKr4//8BAAAAf39/AAEAAABkAAAAAAAAABQAAABAHwAAAAAAACYAAAAAAAAAwOD//wAAAAAmAAAAZAAAABYAAABMAAAAAAAAAAAAAAAEAAAAAAAAAAEAAACAgIAKAAAAACgAAAAoAAAAZAAAAGQAAAAAAAAAzMzMAAAAAABQAAAAUAAAAGQAAABkAAAAAAAAABcAAAAUAAAAAAAAAAAAAAD/fwAA/38AAAAAAAAJAAAABAAAAAAAAAAMAAAAEAAAAAAAAAAAAAAAAAAAAAAAAAAeAAAAaAAAAAAAAAAAAAAAAAAAAAAAAAAAAAAAECcAABAnAAAAAAAAAAAAAAAAAAAAAAAAAAAAAAAAAAAAAAAAAAAAABQAAAAAAAAAwMD/AAAAAABkAAAAMgAAAAAAAABkAAAAAAAAAH9/fwAKAAAAHwAAAFQAAAAAAAAFAAAAAQAAAAAAAAAAAAAAAAAAAAAAAAAAAAAAAAAAAAAAAAAAAAAAAn9/fwAAAAADzMzMAMDA/wB/f38AAAAAAAAAAAAAAAAAAAAAAAAAAAAhAAAAGAAAABQAAAA4EwAAGycAAAglAABZKQAAEAAAACYAAAAIAAAAAAAAAAAAAAA="/>
               </a:ext>
             </a:extLst>
           </p:cNvSpPr>
@@ -2437,7 +2438,7 @@
             <a:spLocks noGrp="1" noChangeArrowheads="1"/>
             <a:extLst>
               <a:ext uri="smNativeData">
-                <pr:smNativeData xmlns:pr="smNativeData" val="SMDATA_13_8OOwYxMAAAAlAAAAZAAAAA8BAAAAkAAAAEgAAACQAAAASAAAAAAAAAABAAAAAAAAAAEAAABQAAAAAAAAAAAA4D8AAAAAAADgPwAAAAAAAOA/AAAAAAAA4D8AAAAAAADgPwAAAAAAAOA/AAAAAAAA4D8AAAAAAADgPwAAAAAAAOA/AAAAAAAA4D8CAAAAjAAAAAAAAAAAAAAAu+DjDP///wgAAAAAAAAAAAAAAAAAAAAAAAAAAAAAAAAAAAAAZAAAAAEAAABAAAAAAAAAAAAAAAAAAAAAAAAAAAAAAAAAAAAAAAAAAAAAAAAAAAAAAAAAAAAAAAAAAAAAAAAAAAAAAAAAAAAAAAAAAAAAAAAAAAAAAAAAAAAAAAAAAAAAFAAAADwAAAAAAAAAAAAAAAAAAAkUAAAAAQAAABQAAAAUAAAAFAAAAAEAAAAAAAAAZAAAAGQAAAAAAAAAZAAAAGQAAAAVAAAAYAAAAAAAAAAAAAAADwAAACADAAAAAAAAAAAAAAEAAACgMgAAVgcAAKr4//8BAAAAf39/AAEAAABkAAAAAAAAABQAAABAHwAAAAAAACYAAAAAAAAAwOD//wAAAAAmAAAAZAAAABYAAABMAAAAAAAAAAAAAAAEAAAAAAAAAAEAAACAgIAKAAAAACgAAAAoAAAAZAAAAGQAAAAAAAAAzMzMAAAAAABQAAAAUAAAAGQAAABkAAAAAAAAABcAAAAUAAAAAAAAAAAAAAD/fwAA/38AAAAAAAAJAAAABAAAAAAAAAAMAAAAEAAAAAAAAAAAAAAAAAAAAAAAAAAeAAAAaAAAAAAAAAAAAAAAAAAAAAAAAAAAAAAAECcAABAnAAAAAAAAAAAAAAAAAAAAAAAAAAAAAAAAAAAAAAAAAAAAABQAAAAAAAAAwMD/AAAAAABkAAAAMgAAAAAAAABkAAAAAAAAAH9/fwAKAAAAHwAAAFQAAAAAAAAFAAAAAQAAAAAAAAAAAAAAAAAAAAAAAAAAAAAAAAAAAAAAAAAAAAAAAn9/fwAAAAADzMzMAMDA/wB/f38AAAAAAAAAAAAAAAAAAAAAAAAAAAAhAAAAGAAAABQAAABQKAAAGycAAHA1AABZKQAAEAAAACYAAAAIAAAAAAAAAAAAAAA="/>
+                <pr:smNativeData xmlns:pr="smNativeData" val="SMDATA_13_5C6yYxMAAAAlAAAAZAAAAA8BAAAAkAAAAEgAAACQAAAASAAAAAAAAAABAAAAAAAAAAEAAABQAAAAAAAAAAAA4D8AAAAAAADgPwAAAAAAAOA/AAAAAAAA4D8AAAAAAADgPwAAAAAAAOA/AAAAAAAA4D8AAAAAAADgPwAAAAAAAOA/AAAAAAAA4D8CAAAAjAAAAAAAAAAAAAAAu+DjDP///wgAAAAAAAAAAAAAAAAAAAAAAAAAAAAAAAAAAAAAZAAAAAEAAABAAAAAAAAAAAAAAAAAAAAAAAAAAAAAAAAAAAAAAAAAAAAAAAAAAAAAAAAAAAAAAAAAAAAAAAAAAAAAAAAAAAAAAAAAAAAAAAAAAAAAAAAAAAAAAAAAAAAAFAAAADwAAAAAAAAAAAAAAAAAAAkUAAAAAQAAABQAAAAUAAAAFAAAAAEAAAAAAAAAZAAAAGQAAAAAAAAAZAAAAGQAAAAVAAAAYAAAAAAAAAAAAAAADwAAACADAAAAAAAAAAAAAAEAAACgMgAAVgcAAKr4//8BAAAAf39/AAEAAABkAAAAAAAAABQAAABAHwAAAAAAACYAAAAAAAAAwOD//wAAAAAmAAAAZAAAABYAAABMAAAAAAAAAAAAAAAEAAAAAAAAAAEAAACAgIAKAAAAACgAAAAoAAAAZAAAAGQAAAAAAAAAzMzMAAAAAABQAAAAUAAAAGQAAABkAAAAAAAAABcAAAAUAAAAAAAAAAAAAAD/fwAA/38AAAAAAAAJAAAABAAAAAAAAAAMAAAAEAAAAAAAAAAAAAAAAAAAAAAAAAAeAAAAaAAAAAAAAAAAAAAAAAAAAAAAAAAAAAAAECcAABAnAAAAAAAAAAAAAAAAAAAAAAAAAAAAAAAAAAAAAAAAAAAAABQAAAAAAAAAwMD/AAAAAABkAAAAMgAAAAAAAABkAAAAAAAAAH9/fwAKAAAAHwAAAFQAAAAAAAAFAAAAAQAAAAAAAAAAAAAAAAAAAAAAAAAAAAAAAAAAAAAAAAAAAAAAAn9/fwAAAAADzMzMAMDA/wB/f38AAAAAAAAAAAAAAAAAAAAAAAAAAAAhAAAAGAAAABQAAABQKAAAGycAAHA1AABZKQAAEAAAACYAAAAIAAAAAAAAAAAAAAA="/>
               </a:ext>
             </a:extLst>
           </p:cNvSpPr>
@@ -2451,7 +2452,7 @@
           <a:lstStyle/>
           <a:p>
             <a:pPr/>
-            <a:fld id="{0B3B0EA9-E7E6-6EF8-A883-11AD40CD5E44}" type="slidenum">
+            <a:fld id="{063451D4-9AEB-61A7-A58C-6CF21FC25339}" type="slidenum">
               <a:t/>
             </a:fld>
           </a:p>
@@ -2489,7 +2490,7 @@
             <a:spLocks noGrp="1" noChangeArrowheads="1"/>
             <a:extLst>
               <a:ext uri="smNativeData">
-                <pr:smNativeData xmlns:pr="smNativeData" val="SMDATA_13_8OOwYxMAAAAlAAAAZAAAAA8BAAAAkAAAAEgAAACQAAAASAAAAAAAAAACAAAAAAAAAAEAAABQAAAAAAAAAAAA4D8AAAAAAADgPwAAAAAAAOA/AAAAAAAA4D8AAAAAAADgPwAAAAAAAOA/AAAAAAAA4D8AAAAAAADgPwAAAAAAAOA/AAAAAAAA4D8CAAAAjAAAAAAAAAAAAAAAu+DjDP///wgAAAAAAAAAAAAAAAAAAAAAAAAAAAAAAAAAAAAAZAAAAAEAAABAAAAAAAAAAAAAAAAAAAAAAAAAAAAAAAAAAAAAAAAAAAAAAAAAAAAAAAAAAAAAAAAAAAAAAAAAAAAAAAAAAAAAAAAAAAAAAAAAAAAAAAAAAAAAAAAAAAAAFAAAADwAAAAAAAAAAAAAAAAAAAkUAAAAAQAAABQAAAAUAAAAFAAAAAEAAAAAAAAAZAAAAGQAAAAAAAAAZAAAAGQAAAAVAAAAYAAAAAAAAAAAAAAADwAAACADAAAAAAAAAAAAAAEAAACgMgAAVgcAAKr4//8BAAAAf39/AAEAAABkAAAAAAAAABQAAABAHwAAAAAAACYAAAAAAAAAwOD//wAAAAAmAAAAZAAAABYAAABMAAAAAAAAAAAAAAAEAAAAAAAAAAEAAACAgIAKAAAAACgAAAAoAAAAZAAAAGQAAAAAAAAAzMzMAAAAAABQAAAAUAAAAGQAAABkAAAAAAAAABcAAAAUAAAAAAAAAAAAAAD/fwAA/38AAAAAAAAJAAAABAAAAH9/fwAMAAAAEAAAAAAAAAAAAAAAAAAAAAAAAAAeAAAAaAAAAAAAAAAAAAAAAAAAAAAAAAAAAAAAECcAABAnAAAAAAAAAAAAAAAAAAAAAAAAAAAAAAAAAAAAAAAAAAAAABQAAAAAAAAAwMD/AAAAAABkAAAAMgAAAAAAAABkAAAAAAAAAH9/fwAKAAAAHwAAAFQAAAAAAAAFAAAAAQAAAAAAAAAAAAAAAAAAAAAAAAAAAAAAAAAAAAAAAAAAAAAAAn9/fwAAAAADzMzMAMDA/wB/f38AAAAAAAAAAAAAAAAAAAAAAAAAAAAhAAAAGAAAABQAAAAGCwAAiB0AAMYsAAAEIQAAEAAAACYAAAAIAAAAgYAAAAAAAAA="/>
+                <pr:smNativeData xmlns:pr="smNativeData" val="SMDATA_13_5C6yYxMAAAAlAAAAZAAAAA8BAAAAkAAAAEgAAACQAAAASAAAAAAAAAACAAAAAAAAAAEAAABQAAAAAAAAAAAA4D8AAAAAAADgPwAAAAAAAOA/AAAAAAAA4D8AAAAAAADgPwAAAAAAAOA/AAAAAAAA4D8AAAAAAADgPwAAAAAAAOA/AAAAAAAA4D8CAAAAjAAAAAAAAAAAAAAAu+DjDP///wgAAAAAAAAAAAAAAAAAAAAAAAAAAAAAAAAAAAAAZAAAAAEAAABAAAAAAAAAAAAAAAAAAAAAAAAAAAAAAAAAAAAAAAAAAAAAAAAAAAAAAAAAAAAAAAAAAAAAAAAAAAAAAAAAAAAAAAAAAAAAAAAAAAAAAAAAAAAAAAAAAAAAFAAAADwAAAAAAAAAAAAAAAAAAAkUAAAAAQAAABQAAAAUAAAAFAAAAAEAAAAAAAAAZAAAAGQAAAAAAAAAZAAAAGQAAAAVAAAAYAAAAAAAAAAAAAAADwAAACADAAAAAAAAAAAAAAEAAACgMgAAVgcAAKr4//8BAAAAf39/AAEAAABkAAAAAAAAABQAAABAHwAAAAAAACYAAAAAAAAAwOD//wAAAAAmAAAAZAAAABYAAABMAAAAAAAAAAAAAAAEAAAAAAAAAAEAAACAgIAKAAAAACgAAAAoAAAAZAAAAGQAAAAAAAAAzMzMAAAAAABQAAAAUAAAAGQAAABkAAAAAAAAABcAAAAUAAAAAAAAAAAAAAD/fwAA/38AAAAAAAAJAAAABAAAAH9/fwAMAAAAEAAAAAAAAAAAAAAAAAAAAAAAAAAeAAAAaAAAAAAAAAAAAAAAAAAAAAAAAAAAAAAAECcAABAnAAAAAAAAAAAAAAAAAAAAAAAAAAAAAAAAAAAAAAAAAAAAABQAAAAAAAAAwMD/AAAAAABkAAAAMgAAAAAAAABkAAAAAAAAAH9/fwAKAAAAHwAAAFQAAAAAAAAFAAAAAQAAAAAAAAAAAAAAAAAAAAAAAAAAAAAAAAAAAAAAAAAAAAAAAn9/fwAAAAADzMzMAMDA/wB/f38AAAAAAAAAAAAAAAAAAAAAAAAAAAAhAAAAGAAAABQAAAAGCwAAiB0AAMYsAAAEIQAAEAAAACYAAAAIAAAAgYAAAAAAAAA="/>
               </a:ext>
             </a:extLst>
           </p:cNvSpPr>
@@ -2529,7 +2530,7 @@
             <a:spLocks noGrp="1" noChangeArrowheads="1"/>
             <a:extLst>
               <a:ext uri="smNativeData">
-                <pr:smNativeData xmlns:pr="smNativeData" val="SMDATA_13_8OOwYxMAAAAlAAAAZAAAAA8BAAAAkAAAAEgAAACQAAAASAAAAAAAAAAAAAAAAAAAAAEAAABQAAAAAAAAAAAA4D8AAAAAAADgPwAAAAAAAOA/AAAAAAAA4D8AAAAAAADgPwAAAAAAAOA/AAAAAAAA4D8AAAAAAADgPwAAAAAAAOA/AAAAAAAA4D8CAAAAjAAAAAAAAAAAAAAAu+DjDP///wgAAAAAAAAAAAAAAAAAAAAAAAAAAAAAAAAAAAAAZAAAAAEAAABAAAAAAAAAAAAAAAAAAAAAAAAAAAAAAAAAAAAAAAAAAAAAAAAAAAAAAAAAAAAAAAAAAAAAAAAAAAAAAAAAAAAAAAAAAAAAAAAAAAAAAAAAAAAAAAAAAAAAFAAAADwAAAAAAAAAAAAAAAAAAAkUAAAAAQAAABQAAAAUAAAAFAAAAAEAAAAAAAAAZAAAAGQAAAAAAAAAZAAAAGQAAAAVAAAAYAAAAAAAAAAAAAAADwAAACADAAAAAAAAAAAAAAEAAACgMgAAVgcAAKr4//8BAAAAf39/AAEAAABkAAAAAAAAABQAAABAHwAAAAAAACYAAAAAAAAAwOD//wAAAAAmAAAAZAAAABYAAABMAAAAAAAAAAAAAAAEAAAAAAAAAAEAAACAgIAKAAAAACgAAAAoAAAAZAAAAGQAAAAAAAAAzMzMAAAAAABQAAAAUAAAAGQAAABkAAAAAAAAABcAAAAUAAAAAAAAAAAAAAD/fwAA/38AAAAAAAAJAAAABAAAAAAAAAAMAAAAEAAAAAAAAAAAAAAAAAAAAAAAAAAeAAAAaAAAAAAAAAAAAAAAAAAAAAAAAAAAAAAAECcAABAnAAAAAAAAAAAAAAAAAAAAAAAAAAAAAAAAAAAAAAAAAAAAABQAAAAAAAAAwMD/AAAAAABkAAAAMgAAAAAAAABkAAAAAAAAAH9/fwAKAAAAHwAAAFQAAAAAAAAFAAAAAQAAAAAAAAAAAAAAAAAAAAAAAAAAAAAAAAAAAAAAAAAAAAAAAn9/fwAAAAADzMzMAMDA/wB/f38AAAAAAAAAAAAAAAAAAAAAAAAAAAAhAAAAGAAAABQAAAAGCwAAxgMAAMYsAAAWHQAAEAAAACYAAAAIAAAAAYAAAAAAAAA="/>
+                <pr:smNativeData xmlns:pr="smNativeData" val="SMDATA_13_5C6yYxMAAAAlAAAAZAAAAA8BAAAAkAAAAEgAAACQAAAASAAAAAAAAAAAAAAAAAAAAAEAAABQAAAAAAAAAAAA4D8AAAAAAADgPwAAAAAAAOA/AAAAAAAA4D8AAAAAAADgPwAAAAAAAOA/AAAAAAAA4D8AAAAAAADgPwAAAAAAAOA/AAAAAAAA4D8CAAAAjAAAAAAAAAAAAAAAu+DjDP///wgAAAAAAAAAAAAAAAAAAAAAAAAAAAAAAAAAAAAAZAAAAAEAAABAAAAAAAAAAAAAAAAAAAAAAAAAAAAAAAAAAAAAAAAAAAAAAAAAAAAAAAAAAAAAAAAAAAAAAAAAAAAAAAAAAAAAAAAAAAAAAAAAAAAAAAAAAAAAAAAAAAAAFAAAADwAAAAAAAAAAAAAAAAAAAkUAAAAAQAAABQAAAAUAAAAFAAAAAEAAAAAAAAAZAAAAGQAAAAAAAAAZAAAAGQAAAAVAAAAYAAAAAAAAAAAAAAADwAAACADAAAAAAAAAAAAAAEAAACgMgAAVgcAAKr4//8BAAAAf39/AAEAAABkAAAAAAAAABQAAABAHwAAAAAAACYAAAAAAAAAwOD//wAAAAAmAAAAZAAAABYAAABMAAAAAAAAAAAAAAAEAAAAAAAAAAEAAACAgIAKAAAAACgAAAAoAAAAZAAAAGQAAAAAAAAAzMzMAAAAAABQAAAAUAAAAGQAAABkAAAAAAAAABcAAAAUAAAAAAAAAAAAAAD/fwAA/38AAAAAAAAJAAAABAAAAAAAAAAMAAAAEAAAAAAAAAAAAAAAAAAAAAAAAAAeAAAAaAAAAAAAAAAAAAAAAAAAAAAAAAAAAAAAECcAABAnAAAAAAAAAAAAAAAAAAAAAAAAAAAAAAAAAAAAAAAAAAAAABQAAAAAAAAAwMD/AAAAAABkAAAAMgAAAAAAAABkAAAAAAAAAH9/fwAKAAAAHwAAAFQAAAAAAAAFAAAAAQAAAAAAAAAAAAAAAAAAAAAAAAAAAAAAAAAAAAAAAAAAAAAAAn9/fwAAAAADzMzMAMDA/wB/f38AAAAAAAAAAAAAAAAAAAAAAAAAAAAhAAAAGAAAABQAAAAGCwAAxgMAAMYsAAAWHQAAEAAAACYAAAAIAAAAAYAAAAAAAAA="/>
               </a:ext>
             </a:extLst>
           </p:cNvSpPr>
@@ -2598,7 +2599,7 @@
             <a:spLocks noGrp="1" noChangeArrowheads="1"/>
             <a:extLst>
               <a:ext uri="smNativeData">
-                <pr:smNativeData xmlns:pr="smNativeData" val="SMDATA_13_8OOwYxMAAAAlAAAAZAAAAA8BAAAAkAAAAEgAAACQAAAASAAAAAAAAAAAAAAAAAAAAAEAAABQAAAAAAAAAAAA4D8AAAAAAADgPwAAAAAAAOA/AAAAAAAA4D8AAAAAAADgPwAAAAAAAOA/AAAAAAAA4D8AAAAAAADgPwAAAAAAAOA/AAAAAAAA4D8CAAAAjAAAAAAAAAAAAAAAu+DjDP///wgAAAAAAAAAAAAAAAAAAAAAAAAAAAAAAAAAAAAAZAAAAAEAAABAAAAAAAAAAAAAAAAAAAAAAAAAAAAAAAAAAAAAAAAAAAAAAAAAAAAAAAAAAAAAAAAAAAAAAAAAAAAAAAAAAAAAAAAAAAAAAAAAAAAAAAAAAAAAAAAAAAAAFAAAADwAAAAAAAAAAAAAAAAAAAkUAAAAAQAAABQAAAAUAAAAFAAAAAEAAAAAAAAAZAAAAGQAAAAAAAAAZAAAAGQAAAAVAAAAYAAAAAAAAAAAAAAADwAAACADAAAAAAAAAAAAAAEAAACgMgAAVgcAAKr4//8BAAAAf39/AAEAAABkAAAAAAAAABQAAABAHwAAAAAAACYAAAAAAAAAwOD//wAAAAAmAAAAZAAAABYAAABMAAAAAAAAAAAAAAAEAAAAAAAAAAEAAACAgIAKAAAAACgAAAAoAAAAZAAAAGQAAAAAAAAAzMzMAAAAAABQAAAAUAAAAGQAAABkAAAAAAAAABcAAAAUAAAAAAAAAAAAAAD/fwAA/38AAAAAAAAJAAAABAAAAAAAAAAMAAAAEAAAAAAAAAAAAAAAAAAAAAAAAAAeAAAAaAAAAAAAAAAAAAAAAAAAAAAAAAAAAAAAECcAABAnAAAAAAAAAAAAAAAAAAAAAAAAAAAAAAAAAAAAAAAAAAAAABQAAAAAAAAAwMD/AAAAAABkAAAAMgAAAAAAAABkAAAAAAAAAH9/fwAKAAAAHwAAAFQAAAAAAAAFAAAAAQAAAAAAAAAAAAAAAAAAAAAAAAAAAAAAAAAAAAAAAAAAAAAAAn9/fwAAAAADzMzMAMDA/wB/f38AAAAAAAAAAAAAAAAAAAAAAAAAAAAhAAAAGAAAABQAAAAGCwAABCEAAMYsAAD4JQAAEAAAACYAAAAIAAAAAYAAAAAAAAA="/>
+                <pr:smNativeData xmlns:pr="smNativeData" val="SMDATA_13_5C6yYxMAAAAlAAAAZAAAAA8BAAAAkAAAAEgAAACQAAAASAAAAAAAAAAAAAAAAAAAAAEAAABQAAAAAAAAAAAA4D8AAAAAAADgPwAAAAAAAOA/AAAAAAAA4D8AAAAAAADgPwAAAAAAAOA/AAAAAAAA4D8AAAAAAADgPwAAAAAAAOA/AAAAAAAA4D8CAAAAjAAAAAAAAAAAAAAAu+DjDP///wgAAAAAAAAAAAAAAAAAAAAAAAAAAAAAAAAAAAAAZAAAAAEAAABAAAAAAAAAAAAAAAAAAAAAAAAAAAAAAAAAAAAAAAAAAAAAAAAAAAAAAAAAAAAAAAAAAAAAAAAAAAAAAAAAAAAAAAAAAAAAAAAAAAAAAAAAAAAAAAAAAAAAFAAAADwAAAAAAAAAAAAAAAAAAAkUAAAAAQAAABQAAAAUAAAAFAAAAAEAAAAAAAAAZAAAAGQAAAAAAAAAZAAAAGQAAAAVAAAAYAAAAAAAAAAAAAAADwAAACADAAAAAAAAAAAAAAEAAACgMgAAVgcAAKr4//8BAAAAf39/AAEAAABkAAAAAAAAABQAAABAHwAAAAAAACYAAAAAAAAAwOD//wAAAAAmAAAAZAAAABYAAABMAAAAAAAAAAAAAAAEAAAAAAAAAAEAAACAgIAKAAAAACgAAAAoAAAAZAAAAGQAAAAAAAAAzMzMAAAAAABQAAAAUAAAAGQAAABkAAAAAAAAABcAAAAUAAAAAAAAAAAAAAD/fwAA/38AAAAAAAAJAAAABAAAAAAAAAAMAAAAEAAAAAAAAAAAAAAAAAAAAAAAAAAeAAAAaAAAAAAAAAAAAAAAAAAAAAAAAAAAAAAAECcAABAnAAAAAAAAAAAAAAAAAAAAAAAAAAAAAAAAAAAAAAAAAAAAABQAAAAAAAAAwMD/AAAAAABkAAAAMgAAAAAAAABkAAAAAAAAAH9/fwAKAAAAHwAAAFQAAAAAAAAFAAAAAQAAAAAAAAAAAAAAAAAAAAAAAAAAAAAAAAAAAAAAAAAAAAAAAn9/fwAAAAADzMzMAMDA/wB/f38AAAAAAAAAAAAAAAAAAAAAAAAAAAAhAAAAGAAAABQAAAAGCwAABCEAAMYsAAD4JQAAEAAAACYAAAAIAAAAAYAAAAAAAAA="/>
               </a:ext>
             </a:extLst>
           </p:cNvSpPr>
@@ -2667,7 +2668,7 @@
             <a:spLocks noGrp="1" noChangeArrowheads="1"/>
             <a:extLst>
               <a:ext uri="smNativeData">
-                <pr:smNativeData xmlns:pr="smNativeData" val="SMDATA_13_8OOwYxMAAAAlAAAAZAAAAA8BAAAAkAAAAEgAAACQAAAASAAAAAAAAAABAAAAAAAAAAEAAABQAAAAAAAAAAAA4D8AAAAAAADgPwAAAAAAAOA/AAAAAAAA4D8AAAAAAADgPwAAAAAAAOA/AAAAAAAA4D8AAAAAAADgPwAAAAAAAOA/AAAAAAAA4D8CAAAAjAAAAAAAAAAAAAAAu+DjDP///wgAAAAAAAAAAAAAAAAAAAAAAAAAAAAAAAAAAAAAZAAAAAEAAABAAAAAAAAAAAAAAAAAAAAAAAAAAAAAAAAAAAAAAAAAAAAAAAAAAAAAAAAAAAAAAAAAAAAAAAAAAAAAAAAAAAAAAAAAAAAAAAAAAAAAAAAAAAAAAAAAAAAAFAAAADwAAAAAAAAAAAAAAAAAAAkUAAAAAQAAABQAAAAUAAAAFAAAAAEAAAAAAAAAZAAAAGQAAAAAAAAAZAAAAGQAAAAVAAAAYAAAAAAAAAAAAAAADwAAACADAAAAAAAAAAAAAAEAAACgMgAAVgcAAKr4//8BAAAAf39/AAEAAABkAAAAAAAAABQAAABAHwAAAAAAACYAAAAAAAAAwOD//wAAAAAmAAAAZAAAABYAAABMAAAAAAAAAAAAAAAEAAAAAAAAAAEAAACAgIAKAAAAACgAAAAoAAAAZAAAAGQAAAAAAAAAzMzMAAAAAABQAAAAUAAAAGQAAABkAAAAAAAAABcAAAAUAAAAAAAAAAAAAAD/fwAA/38AAAAAAAAJAAAABAAAAAAAAAAMAAAAEAAAAAAAAAAAAAAAAAAAAAAAAAAeAAAAaAAAAAAAAAAAAAAAAAAAAAAAAAAAAAAAECcAABAnAAAAAAAAAAAAAAAAAAAAAAAAAAAAAAAAAAAAAAAAAAAAABQAAAAAAAAAwMD/AAAAAABkAAAAMgAAAAAAAABkAAAAAAAAAH9/fwAKAAAAHwAAAFQAAAAAAAAFAAAAAQAAAAAAAAAAAAAAAAAAAAAAAAAAAAAAAAAAAAAAAAAAAAAAAn9/fwAAAAADzMzMAMDA/wB/f38AAAAAAAAAAAAAAAAAAAAAAAAAAAAhAAAAGAAAABQAAADQAgAAGycAAPAPAABZKQAAEAAAACYAAAAIAAAAAAAAAAAAAAA="/>
+                <pr:smNativeData xmlns:pr="smNativeData" val="SMDATA_13_5C6yYxMAAAAlAAAAZAAAAA8BAAAAkAAAAEgAAACQAAAASAAAAAAAAAABAAAAAAAAAAEAAABQAAAAAAAAAAAA4D8AAAAAAADgPwAAAAAAAOA/AAAAAAAA4D8AAAAAAADgPwAAAAAAAOA/AAAAAAAA4D8AAAAAAADgPwAAAAAAAOA/AAAAAAAA4D8CAAAAjAAAAAAAAAAAAAAAu+DjDP///wgAAAAAAAAAAAAAAAAAAAAAAAAAAAAAAAAAAAAAZAAAAAEAAABAAAAAAAAAAAAAAAAAAAAAAAAAAAAAAAAAAAAAAAAAAAAAAAAAAAAAAAAAAAAAAAAAAAAAAAAAAAAAAAAAAAAAAAAAAAAAAAAAAAAAAAAAAAAAAAAAAAAAFAAAADwAAAAAAAAAAAAAAAAAAAkUAAAAAQAAABQAAAAUAAAAFAAAAAEAAAAAAAAAZAAAAGQAAAAAAAAAZAAAAGQAAAAVAAAAYAAAAAAAAAAAAAAADwAAACADAAAAAAAAAAAAAAEAAACgMgAAVgcAAKr4//8BAAAAf39/AAEAAABkAAAAAAAAABQAAABAHwAAAAAAACYAAAAAAAAAwOD//wAAAAAmAAAAZAAAABYAAABMAAAAAAAAAAAAAAAEAAAAAAAAAAEAAACAgIAKAAAAACgAAAAoAAAAZAAAAGQAAAAAAAAAzMzMAAAAAABQAAAAUAAAAGQAAABkAAAAAAAAABcAAAAUAAAAAAAAAAAAAAD/fwAA/38AAAAAAAAJAAAABAAAAAAAAAAMAAAAEAAAAAAAAAAAAAAAAAAAAAAAAAAeAAAAaAAAAAAAAAAAAAAAAAAAAAAAAAAAAAAAECcAABAnAAAAAAAAAAAAAAAAAAAAAAAAAAAAAAAAAAAAAAAAAAAAABQAAAAAAAAAwMD/AAAAAABkAAAAMgAAAAAAAABkAAAAAAAAAH9/fwAKAAAAHwAAAFQAAAAAAAAFAAAAAQAAAAAAAAAAAAAAAAAAAAAAAAAAAAAAAAAAAAAAAAAAAAAAAn9/fwAAAAADzMzMAMDA/wB/f38AAAAAAAAAAAAAAAAAAAAAAAAAAAAhAAAAGAAAABQAAADQAgAAGycAAPAPAABZKQAAEAAAACYAAAAIAAAAAAAAAAAAAAA="/>
               </a:ext>
             </a:extLst>
           </p:cNvSpPr>
@@ -2681,7 +2682,7 @@
           <a:lstStyle/>
           <a:p>
             <a:pPr/>
-            <a:fld id="{0B3B08E6-A8E6-6EFE-A883-5EAB46CD5E0B}" type="datetime1">
+            <a:fld id="{06346E10-5EEB-6198-A58C-A8CD20C253FD}" type="datetime1">
               <a:t/>
             </a:fld>
           </a:p>
@@ -2694,7 +2695,7 @@
             <a:spLocks noGrp="1" noChangeArrowheads="1"/>
             <a:extLst>
               <a:ext uri="smNativeData">
-                <pr:smNativeData xmlns:pr="smNativeData" val="SMDATA_13_8OOwYxMAAAAlAAAAZAAAAA8BAAAAkAAAAEgAAACQAAAASAAAAAAAAAABAAAAAAAAAAEAAABQAAAAAAAAAAAA4D8AAAAAAADgPwAAAAAAAOA/AAAAAAAA4D8AAAAAAADgPwAAAAAAAOA/AAAAAAAA4D8AAAAAAADgPwAAAAAAAOA/AAAAAAAA4D8CAAAAjAAAAAAAAAAAAAAAu+DjDP///wgAAAAAAAAAAAAAAAAAAAAAAAAAAAAAAAAAAAAAZAAAAAEAAABAAAAAAAAAAAAAAAAAAAAAAAAAAAAAAAAAAAAAAAAAAAAAAAAAAAAAAAAAAAAAAAAAAAAAAAAAAAAAAAAAAAAAAAAAAAAAAAAAAAAAAAAAAAAAAAAAAAAAFAAAADwAAAAAAAAAAAAAAAAAAAkUAAAAAQAAABQAAAAUAAAAFAAAAAEAAAAAAAAAZAAAAGQAAAAAAAAAZAAAAGQAAAAVAAAAYAAAAAAAAAAAAAAADwAAACADAAAAAAAAAAAAAAEAAACgMgAAVgcAAKr4//8BAAAAf39/AAEAAABkAAAAAAAAABQAAABAHwAAAAAAACYAAAAAAAAAwOD//wAAAAAmAAAAZAAAABYAAABMAAAAAAAAAAAAAAAEAAAAAAAAAAEAAACAgIAKAAAAACgAAAAoAAAAZAAAAGQAAAAAAAAAzMzMAAAAAABQAAAAUAAAAGQAAABkAAAAAAAAABcAAAAUAAAAAAAAAAAAAAD/fwAA/38AAAAAAAAJAAAABAAAAAAAAAAMAAAAEAAAAAAAAAAAAAAAAAAAAAAAAAAeAAAAaAAAAAAAAAAAAAAAAAAAAAAAAAAAAAAAECcAABAnAAAAAAAAAAAAAAAAAAAAAAAAAAAAAAAAAAAAAAAAAAAAABQAAAAAAAAAwMD/AAAAAABkAAAAMgAAAAAAAABkAAAAAAAAAH9/fwAKAAAAHwAAAFQAAAAAAAAFAAAAAQAAAAAAAAAAAAAAAAAAAAAAAAAAAAAAAAAAAAAAAAAAAAAAAn9/fwAAAAADzMzMAMDA/wB/f38AAAAAAAAAAAAAAAAAAAAAAAAAAAAhAAAAGAAAABQAAAA4EwAAGycAAAglAABZKQAAEAAAACYAAAAIAAAAAAAAAAAAAAA="/>
+                <pr:smNativeData xmlns:pr="smNativeData" val="SMDATA_13_5C6yYxMAAAAlAAAAZAAAAA8BAAAAkAAAAEgAAACQAAAASAAAAAAAAAABAAAAAAAAAAEAAABQAAAAAAAAAAAA4D8AAAAAAADgPwAAAAAAAOA/AAAAAAAA4D8AAAAAAADgPwAAAAAAAOA/AAAAAAAA4D8AAAAAAADgPwAAAAAAAOA/AAAAAAAA4D8CAAAAjAAAAAAAAAAAAAAAu+DjDP///wgAAAAAAAAAAAAAAAAAAAAAAAAAAAAAAAAAAAAAZAAAAAEAAABAAAAAAAAAAAAAAAAAAAAAAAAAAAAAAAAAAAAAAAAAAAAAAAAAAAAAAAAAAAAAAAAAAAAAAAAAAAAAAAAAAAAAAAAAAAAAAAAAAAAAAAAAAAAAAAAAAAAAFAAAADwAAAAAAAAAAAAAAAAAAAkUAAAAAQAAABQAAAAUAAAAFAAAAAEAAAAAAAAAZAAAAGQAAAAAAAAAZAAAAGQAAAAVAAAAYAAAAAAAAAAAAAAADwAAACADAAAAAAAAAAAAAAEAAACgMgAAVgcAAKr4//8BAAAAf39/AAEAAABkAAAAAAAAABQAAABAHwAAAAAAACYAAAAAAAAAwOD//wAAAAAmAAAAZAAAABYAAABMAAAAAAAAAAAAAAAEAAAAAAAAAAEAAACAgIAKAAAAACgAAAAoAAAAZAAAAGQAAAAAAAAAzMzMAAAAAABQAAAAUAAAAGQAAABkAAAAAAAAABcAAAAUAAAAAAAAAAAAAAD/fwAA/38AAAAAAAAJAAAABAAAAAAAAAAMAAAAEAAAAAAAAAAAAAAAAAAAAAAAAAAeAAAAaAAAAAAAAAAAAAAAAAAAAAAAAAAAAAAAECcAABAnAAAAAAAAAAAAAAAAAAAAAAAAAAAAAAAAAAAAAAAAAAAAABQAAAAAAAAAwMD/AAAAAABkAAAAMgAAAAAAAABkAAAAAAAAAH9/fwAKAAAAHwAAAFQAAAAAAAAFAAAAAQAAAAAAAAAAAAAAAAAAAAAAAAAAAAAAAAAAAAAAAAAAAAAAAn9/fwAAAAADzMzMAMDA/wB/f38AAAAAAAAAAAAAAAAAAAAAAAAAAAAhAAAAGAAAABQAAAA4EwAAGycAAAglAABZKQAAEAAAACYAAAAIAAAAAAAAAAAAAAA="/>
               </a:ext>
             </a:extLst>
           </p:cNvSpPr>
@@ -2718,7 +2719,7 @@
             <a:spLocks noGrp="1" noChangeArrowheads="1"/>
             <a:extLst>
               <a:ext uri="smNativeData">
-                <pr:smNativeData xmlns:pr="smNativeData" val="SMDATA_13_8OOwYxMAAAAlAAAAZAAAAA8BAAAAkAAAAEgAAACQAAAASAAAAAAAAAABAAAAAAAAAAEAAABQAAAAAAAAAAAA4D8AAAAAAADgPwAAAAAAAOA/AAAAAAAA4D8AAAAAAADgPwAAAAAAAOA/AAAAAAAA4D8AAAAAAADgPwAAAAAAAOA/AAAAAAAA4D8CAAAAjAAAAAAAAAAAAAAAu+DjDP///wgAAAAAAAAAAAAAAAAAAAAAAAAAAAAAAAAAAAAAZAAAAAEAAABAAAAAAAAAAAAAAAAAAAAAAAAAAAAAAAAAAAAAAAAAAAAAAAAAAAAAAAAAAAAAAAAAAAAAAAAAAAAAAAAAAAAAAAAAAAAAAAAAAAAAAAAAAAAAAAAAAAAAFAAAADwAAAAAAAAAAAAAAAAAAAkUAAAAAQAAABQAAAAUAAAAFAAAAAEAAAAAAAAAZAAAAGQAAAAAAAAAZAAAAGQAAAAVAAAAYAAAAAAAAAAAAAAADwAAACADAAAAAAAAAAAAAAEAAACgMgAAVgcAAKr4//8BAAAAf39/AAEAAABkAAAAAAAAABQAAABAHwAAAAAAACYAAAAAAAAAwOD//wAAAAAmAAAAZAAAABYAAABMAAAAAAAAAAAAAAAEAAAAAAAAAAEAAACAgIAKAAAAACgAAAAoAAAAZAAAAGQAAAAAAAAAzMzMAAAAAABQAAAAUAAAAGQAAABkAAAAAAAAABcAAAAUAAAAAAAAAAAAAAD/fwAA/38AAAAAAAAJAAAABAAAAAAAAAAMAAAAEAAAAAAAAAAAAAAAAAAAAAAAAAAeAAAAaAAAAAAAAAAAAAAAAAAAAAAAAAAAAAAAECcAABAnAAAAAAAAAAAAAAAAAAAAAAAAAAAAAAAAAAAAAAAAAAAAABQAAAAAAAAAwMD/AAAAAABkAAAAMgAAAAAAAABkAAAAAAAAAH9/fwAKAAAAHwAAAFQAAAAAAAAFAAAAAQAAAAAAAAAAAAAAAAAAAAAAAAAAAAAAAAAAAAAAAAAAAAAAAn9/fwAAAAADzMzMAMDA/wB/f38AAAAAAAAAAAAAAAAAAAAAAAAAAAAhAAAAGAAAABQAAABQKAAAGycAAHA1AABZKQAAEAAAACYAAAAIAAAAAAAAAAAAAAA="/>
+                <pr:smNativeData xmlns:pr="smNativeData" val="SMDATA_13_5C6yYxMAAAAlAAAAZAAAAA8BAAAAkAAAAEgAAACQAAAASAAAAAAAAAABAAAAAAAAAAEAAABQAAAAAAAAAAAA4D8AAAAAAADgPwAAAAAAAOA/AAAAAAAA4D8AAAAAAADgPwAAAAAAAOA/AAAAAAAA4D8AAAAAAADgPwAAAAAAAOA/AAAAAAAA4D8CAAAAjAAAAAAAAAAAAAAAu+DjDP///wgAAAAAAAAAAAAAAAAAAAAAAAAAAAAAAAAAAAAAZAAAAAEAAABAAAAAAAAAAAAAAAAAAAAAAAAAAAAAAAAAAAAAAAAAAAAAAAAAAAAAAAAAAAAAAAAAAAAAAAAAAAAAAAAAAAAAAAAAAAAAAAAAAAAAAAAAAAAAAAAAAAAAFAAAADwAAAAAAAAAAAAAAAAAAAkUAAAAAQAAABQAAAAUAAAAFAAAAAEAAAAAAAAAZAAAAGQAAAAAAAAAZAAAAGQAAAAVAAAAYAAAAAAAAAAAAAAADwAAACADAAAAAAAAAAAAAAEAAACgMgAAVgcAAKr4//8BAAAAf39/AAEAAABkAAAAAAAAABQAAABAHwAAAAAAACYAAAAAAAAAwOD//wAAAAAmAAAAZAAAABYAAABMAAAAAAAAAAAAAAAEAAAAAAAAAAEAAACAgIAKAAAAACgAAAAoAAAAZAAAAGQAAAAAAAAAzMzMAAAAAABQAAAAUAAAAGQAAABkAAAAAAAAABcAAAAUAAAAAAAAAAAAAAD/fwAA/38AAAAAAAAJAAAABAAAAAAAAAAMAAAAEAAAAAAAAAAAAAAAAAAAAAAAAAAeAAAAaAAAAAAAAAAAAAAAAAAAAAAAAAAAAAAAECcAABAnAAAAAAAAAAAAAAAAAAAAAAAAAAAAAAAAAAAAAAAAAAAAABQAAAAAAAAAwMD/AAAAAABkAAAAMgAAAAAAAABkAAAAAAAAAH9/fwAKAAAAHwAAAFQAAAAAAAAFAAAAAQAAAAAAAAAAAAAAAAAAAAAAAAAAAAAAAAAAAAAAAAAAAAAAAn9/fwAAAAADzMzMAMDA/wB/f38AAAAAAAAAAAAAAAAAAAAAAAAAAAAhAAAAGAAAABQAAABQKAAAGycAAHA1AABZKQAAEAAAACYAAAAIAAAAAAAAAAAAAAA="/>
               </a:ext>
             </a:extLst>
           </p:cNvSpPr>
@@ -2732,7 +2733,7 @@
           <a:lstStyle/>
           <a:p>
             <a:pPr/>
-            <a:fld id="{0B3B5960-2EE6-6EAF-A883-D8FA17CD5E8D}" type="slidenum">
+            <a:fld id="{06346F86-C8EB-6199-A58C-3ECC21C2536B}" type="slidenum">
               <a:t/>
             </a:fld>
           </a:p>
@@ -2778,7 +2779,7 @@
             <a:spLocks noGrp="1" noChangeArrowheads="1"/>
             <a:extLst>
               <a:ext uri="smNativeData">
-                <pr:smNativeData xmlns:pr="smNativeData" val="SMDATA_13_8OOwYxMAAAAlAAAAZAAAAA8BAAAAkAAAAEgAAACQAAAASAAAAAAAAAABAAAAAAAAAAEAAABQAAAAAAAAAAAA4D8AAAAAAADgPwAAAAAAAOA/AAAAAAAA4D8AAAAAAADgPwAAAAAAAOA/AAAAAAAA4D8AAAAAAADgPwAAAAAAAOA/AAAAAAAA4D8CAAAAjAAAAAAAAAAAAAAAu+DjDP///wgAAAAAAAAAAAAAAAAAAAAAAAAAAAAAAAAAAAAAZAAAAAEAAABAAAAAAAAAAAAAAAAAAAAAAAAAAAAAAAAAAAAAAAAAAAAAAAAAAAAAAAAAAAAAAAAAAAAAAAAAAAAAAAAAAAAAAAAAAAAAAAAAAAAAAAAAAAAAAAAAAAAAFAAAADwAAAAAAAAAAAAAAAAAAAkUAAAAAQAAABQAAAAUAAAAFAAAAAEAAAAAAAAAZAAAAGQAAAAAAAAAZAAAAGQAAAAVAAAAYAAAAAAAAAAAAAAADwAAACADAAAAAAAAAAAAAAEAAACgMgAAVgcAAKr4//8BAAAAf39/AAEAAABkAAAAAAAAABQAAABAHwAAAAAAACYAAAAAAAAAwOD//wAAAAAmAAAAZAAAABYAAABMAAAAAAAAAAAAAAAEAAAAAAAAAAEAAACAgIAKAAAAACgAAAAoAAAAZAAAAGQAAAAAAAAAzMzMAAAAAABQAAAAUAAAAGQAAABkAAAAAAAAABcAAAAUAAAAAAAAAAAAAAD/fwAA/38AAAAAAAAJAAAABAAAAAAAAAAMAAAAEAAAAAAAAAAAAAAAAAAAAAAAAAAeAAAAaAAAAAAAAAAAAAAAAAAAAAAAAAAAAAAAECcAABAnAAAAAAAAAAAAAAAAAAAAAAAAAAAAAAAAAAAAAAAAAAAAABQAAAAAAAAAwMD/AAAAAABkAAAAMgAAAAAAAABkAAAAAAAAAH9/fwAKAAAAHwAAAFQAAAAAAAAFAAAAAQAAAAAAAAAAAAAAAAAAAAAAAAAAAAAAAAAAAAAAAAAAAAAAAn9/fwAAAAADzMzMAMDA/wB/f38AAAAAAAAAAAAAAAAAAAAAAAAAAAAhAAAAGAAAABQAAADQAgAAsAEAAHA1AAC4CAAAEAAAACYAAAAIAAAA//////////8="/>
+                <pr:smNativeData xmlns:pr="smNativeData" val="SMDATA_13_5C6yYxMAAAAlAAAAZAAAAA8BAAAAkAAAAEgAAACQAAAASAAAAAAAAAABAAAAAAAAAAEAAABQAAAAAAAAAAAA4D8AAAAAAADgPwAAAAAAAOA/AAAAAAAA4D8AAAAAAADgPwAAAAAAAOA/AAAAAAAA4D8AAAAAAADgPwAAAAAAAOA/AAAAAAAA4D8CAAAAjAAAAAAAAAAAAAAAu+DjDP///wgAAAAAAAAAAAAAAAAAAAAAAAAAAAAAAAAAAAAAZAAAAAEAAABAAAAAAAAAAAAAAAAAAAAAAAAAAAAAAAAAAAAAAAAAAAAAAAAAAAAAAAAAAAAAAAAAAAAAAAAAAAAAAAAAAAAAAAAAAAAAAAAAAAAAAAAAAAAAAAAAAAAAFAAAADwAAAAAAAAAAAAAAAAAAAkUAAAAAQAAABQAAAAUAAAAFAAAAAEAAAAAAAAAZAAAAGQAAAAAAAAAZAAAAGQAAAAVAAAAYAAAAAAAAAAAAAAADwAAACADAAAAAAAAAAAAAAEAAACgMgAAVgcAAKr4//8BAAAAf39/AAEAAABkAAAAAAAAABQAAABAHwAAAAAAACYAAAAAAAAAwOD//wAAAAAmAAAAZAAAABYAAABMAAAAAAAAAAAAAAAEAAAAAAAAAAEAAACAgIAKAAAAACgAAAAoAAAAZAAAAGQAAAAAAAAAzMzMAAAAAABQAAAAUAAAAGQAAABkAAAAAAAAABcAAAAUAAAAAAAAAAAAAAD/fwAA/38AAAAAAAAJAAAABAAAAAAAAAAMAAAAEAAAAAAAAAAAAAAAAAAAAAAAAAAeAAAAaAAAAAAAAAAAAAAAAAAAAAAAAAAAAAAAECcAABAnAAAAAAAAAAAAAAAAAAAAAAAAAAAAAAAAAAAAAAAAAAAAABQAAAAAAAAAwMD/AAAAAABkAAAAMgAAAAAAAABkAAAAAAAAAH9/fwAKAAAAHwAAAFQAAAAAAAAFAAAAAQAAAAAAAAAAAAAAAAAAAAAAAAAAAAAAAAAAAAAAAAAAAAAAAn9/fwAAAAADzMzMAMDA/wB/f38AAAAAAAAAAAAAAAAAAAAAAAAAAAAhAAAAGAAAABQAAADQAgAAsAEAAHA1AAC4CAAAEAAAACYAAAAIAAAA//////////8="/>
               </a:ext>
             </a:extLst>
           </p:cNvSpPr>
@@ -2822,7 +2823,7 @@
             <a:spLocks noGrp="1" noChangeArrowheads="1"/>
             <a:extLst>
               <a:ext uri="smNativeData">
-                <pr:smNativeData xmlns:pr="smNativeData" val="SMDATA_13_8OOwYxMAAAAlAAAAZAAAAA8BAAAAkAAAAEgAAACQAAAASAAAAAAAAAAAAAAAAAAAAAEAAABQAAAAAAAAAAAA4D8AAAAAAADgPwAAAAAAAOA/AAAAAAAA4D8AAAAAAADgPwAAAAAAAOA/AAAAAAAA4D8AAAAAAADgPwAAAAAAAOA/AAAAAAAA4D8CAAAAjAAAAAAAAAAAAAAAu+DjDP///wgAAAAAAAAAAAAAAAAAAAAAAAAAAAAAAAAAAAAAZAAAAAEAAABAAAAAAAAAAAAAAAAAAAAAAAAAAAAAAAAAAAAAAAAAAAAAAAAAAAAAAAAAAAAAAAAAAAAAAAAAAAAAAAAAAAAAAAAAAAAAAAAAAAAAAAAAAAAAAAAAAAAAFAAAADwAAAAAAAAAAAAAAAAAAAkUAAAAAQAAABQAAAAUAAAAFAAAAAEAAAAAAAAAZAAAAGQAAAAAAAAAZAAAAGQAAAAVAAAAYAAAAAAAAAAAAAAADwAAACADAAAAAAAAAAAAAAEAAACgMgAAVgcAAKr4//8BAAAAf39/AAEAAABkAAAAAAAAABQAAABAHwAAAAAAACYAAAAAAAAAwOD//wAAAAAmAAAAZAAAABYAAABMAAAAAAAAAAAAAAAEAAAAAAAAAAEAAACAgIAKAAAAACgAAAAoAAAAZAAAAGQAAAAAAAAAzMzMAAAAAABQAAAAUAAAAGQAAABkAAAAAAAAABcAAAAUAAAAAAAAAAAAAAD/fwAA/38AAAAAAAAJAAAABAAAAAAAAAAMAAAAEAAAAAAAAAAAAAAAAAAAAAAAAAAeAAAAaAAAAAAAAAAAAAAAAAAAAAAAAAAAAAAAECcAABAnAAAAAAAAAAAAAAAAAAAAAAAAAAAAAAAAAAAAAAAAAAAAABQAAAAAAAAAwMD/AAAAAABkAAAAMgAAAAAAAABkAAAAAAAAAH9/fwAKAAAAHwAAAFQAAAAAAAAFAAAAAQAAAAAAAAAAAAAAAAAAAAAAAAAAAAAAAAAAAAAAAAAAAAAAAn9/fwAAAAADzMzMAMDA/wB/f38AAAAAAAAAAAAAAAAAAAAAAAAAAAAhAAAAGAAAABQAAADQAgAA2AkAAHA1AACwJQAAEAAAACYAAAAIAAAA//////////8="/>
+                <pr:smNativeData xmlns:pr="smNativeData" val="SMDATA_13_5C6yYxMAAAAlAAAAZAAAAA8BAAAAkAAAAEgAAACQAAAASAAAAAAAAAAAAAAAAAAAAAEAAABQAAAAAAAAAAAA4D8AAAAAAADgPwAAAAAAAOA/AAAAAAAA4D8AAAAAAADgPwAAAAAAAOA/AAAAAAAA4D8AAAAAAADgPwAAAAAAAOA/AAAAAAAA4D8CAAAAjAAAAAAAAAAAAAAAu+DjDP///wgAAAAAAAAAAAAAAAAAAAAAAAAAAAAAAAAAAAAAZAAAAAEAAABAAAAAAAAAAAAAAAAAAAAAAAAAAAAAAAAAAAAAAAAAAAAAAAAAAAAAAAAAAAAAAAAAAAAAAAAAAAAAAAAAAAAAAAAAAAAAAAAAAAAAAAAAAAAAAAAAAAAAFAAAADwAAAAAAAAAAAAAAAAAAAkUAAAAAQAAABQAAAAUAAAAFAAAAAEAAAAAAAAAZAAAAGQAAAAAAAAAZAAAAGQAAAAVAAAAYAAAAAAAAAAAAAAADwAAACADAAAAAAAAAAAAAAEAAACgMgAAVgcAAKr4//8BAAAAf39/AAEAAABkAAAAAAAAABQAAABAHwAAAAAAACYAAAAAAAAAwOD//wAAAAAmAAAAZAAAABYAAABMAAAAAAAAAAAAAAAEAAAAAAAAAAEAAACAgIAKAAAAACgAAAAoAAAAZAAAAGQAAAAAAAAAzMzMAAAAAABQAAAAUAAAAGQAAABkAAAAAAAAABcAAAAUAAAAAAAAAAAAAAD/fwAA/38AAAAAAAAJAAAABAAAAAAAAAAMAAAAEAAAAAAAAAAAAAAAAAAAAAAAAAAeAAAAaAAAAAAAAAAAAAAAAAAAAAAAAAAAAAAAECcAABAnAAAAAAAAAAAAAAAAAAAAAAAAAAAAAAAAAAAAAAAAAAAAABQAAAAAAAAAwMD/AAAAAABkAAAAMgAAAAAAAABkAAAAAAAAAH9/fwAKAAAAHwAAAFQAAAAAAAAFAAAAAQAAAAAAAAAAAAAAAAAAAAAAAAAAAAAAAAAAAAAAAAAAAAAAAn9/fwAAAAADzMzMAMDA/wB/f38AAAAAAAAAAAAAAAAAAAAAAAAAAAAhAAAAGAAAABQAAADQAgAA2AkAAHA1AACwJQAAEAAAACYAAAAIAAAA//////////8="/>
               </a:ext>
             </a:extLst>
           </p:cNvSpPr>
@@ -2890,7 +2891,7 @@
             <a:spLocks noGrp="1" noChangeArrowheads="1"/>
             <a:extLst>
               <a:ext uri="smNativeData">
-                <pr:smNativeData xmlns:pr="smNativeData" val="SMDATA_13_8OOwYxMAAAAlAAAAZAAAAA8BAAAAkAAAAEgAAACQAAAASAAAAAAAAAABAAAAAAAAAAEAAABQAAAAAAAAAAAA4D8AAAAAAADgPwAAAAAAAOA/AAAAAAAA4D8AAAAAAADgPwAAAAAAAOA/AAAAAAAA4D8AAAAAAADgPwAAAAAAAOA/AAAAAAAA4D8CAAAAjAAAAAAAAAAAAAAAu+DjDP///wgAAAAAAAAAAAAAAAAAAAAAAAAAAAAAAAAAAAAAZAAAAAEAAABAAAAAAAAAAAAAAAAAAAAAAAAAAAAAAAAAAAAAAAAAAAAAAAAAAAAAAAAAAAAAAAAAAAAAAAAAAAAAAAAAAAAAAAAAAAAAAAAAAAAAAAAAAAAAAAAAAAAAFAAAADwAAAAAAAAAAAAAAAAAAAkUAAAAAQAAABQAAAAUAAAAFAAAAAEAAAAAAAAAZAAAAGQAAAAAAAAAZAAAAGQAAAAVAAAAYAAAAAAAAAAAAAAADwAAACADAAAAAAAAAAAAAAEAAACgMgAAVgcAAKr4//8BAAAAf39/AAEAAABkAAAAAAAAABQAAABAHwAAAAAAACYAAAAAAAAAwOD//wAAAAAmAAAAZAAAABYAAABMAAAAAAAAAAAAAAAEAAAAAAAAAAEAAACAgIAKAAAAACgAAAAoAAAAZAAAAGQAAAAAAAAAzMzMAAAAAABQAAAAUAAAAGQAAABkAAAAAAAAABcAAAAUAAAAAAAAAAAAAAD/fwAA/38AAAAAAAAJAAAABAAAAAAAAAAMAAAAEAAAAAAAAAAAAAAAAAAAAAAAAAAeAAAAaAAAAAAAAAAAAAAAAAAAAAAAAAAAAAAAECcAABAnAAAAAAAAAAAAAAAAAAAAAAAAAAAAAAAAAAAAAAAAAAAAABQAAAAAAAAAwMD/AAAAAABkAAAAMgAAAAAAAABkAAAAAAAAAH9/fwAKAAAAHwAAAFQAAAAAAAAFAAAAAQAAAAAAAAAAAAAAAAAAAAAAAAAAAAAAAAAAAAAAAAAAAAAAAn9/fwAAAAADzMzMAMDA/wB/f38AAAAAAAAAAAAAAAAAAAAAAAAAAAAhAAAAGAAAABQAAADQAgAAGycAAPAPAABZKQAAEAAAACYAAAAIAAAA//////////8="/>
+                <pr:smNativeData xmlns:pr="smNativeData" val="SMDATA_13_5C6yYxMAAAAlAAAAZAAAAA8BAAAAkAAAAEgAAACQAAAASAAAAAAAAAABAAAAAAAAAAEAAABQAAAAAAAAAAAA4D8AAAAAAADgPwAAAAAAAOA/AAAAAAAA4D8AAAAAAADgPwAAAAAAAOA/AAAAAAAA4D8AAAAAAADgPwAAAAAAAOA/AAAAAAAA4D8CAAAAjAAAAAAAAAAAAAAAu+DjDP///wgAAAAAAAAAAAAAAAAAAAAAAAAAAAAAAAAAAAAAZAAAAAEAAABAAAAAAAAAAAAAAAAAAAAAAAAAAAAAAAAAAAAAAAAAAAAAAAAAAAAAAAAAAAAAAAAAAAAAAAAAAAAAAAAAAAAAAAAAAAAAAAAAAAAAAAAAAAAAAAAAAAAAFAAAADwAAAAAAAAAAAAAAAAAAAkUAAAAAQAAABQAAAAUAAAAFAAAAAEAAAAAAAAAZAAAAGQAAAAAAAAAZAAAAGQAAAAVAAAAYAAAAAAAAAAAAAAADwAAACADAAAAAAAAAAAAAAEAAACgMgAAVgcAAKr4//8BAAAAf39/AAEAAABkAAAAAAAAABQAAABAHwAAAAAAACYAAAAAAAAAwOD//wAAAAAmAAAAZAAAABYAAABMAAAAAAAAAAAAAAAEAAAAAAAAAAEAAACAgIAKAAAAACgAAAAoAAAAZAAAAGQAAAAAAAAAzMzMAAAAAABQAAAAUAAAAGQAAABkAAAAAAAAABcAAAAUAAAAAAAAAAAAAAD/fwAA/38AAAAAAAAJAAAABAAAAAAAAAAMAAAAEAAAAAAAAAAAAAAAAAAAAAAAAAAeAAAAaAAAAAAAAAAAAAAAAAAAAAAAAAAAAAAAECcAABAnAAAAAAAAAAAAAAAAAAAAAAAAAAAAAAAAAAAAAAAAAAAAABQAAAAAAAAAwMD/AAAAAABkAAAAMgAAAAAAAABkAAAAAAAAAH9/fwAKAAAAHwAAAFQAAAAAAAAFAAAAAQAAAAAAAAAAAAAAAAAAAAAAAAAAAAAAAAAAAAAAAAAAAAAAAn9/fwAAAAADzMzMAMDA/wB/f38AAAAAAAAAAAAAAAAAAAAAAAAAAAAhAAAAGAAAABQAAADQAgAAGycAAPAPAABZKQAAEAAAACYAAAAIAAAA//////////8="/>
               </a:ext>
             </a:extLst>
           </p:cNvSpPr>
@@ -2925,7 +2926,7 @@
           </a:lstStyle>
           <a:p>
             <a:pPr/>
-            <a:fld id="{0B3B1954-1AE6-6EEF-A883-ECBA57CD5EB9}" type="datetime1">
+            <a:fld id="{06342CF0-BEEB-61DA-A58C-488F62C2531D}" type="datetime1">
               <a:t/>
             </a:fld>
           </a:p>
@@ -2938,7 +2939,7 @@
             <a:spLocks noGrp="1" noChangeArrowheads="1"/>
             <a:extLst>
               <a:ext uri="smNativeData">
-                <pr:smNativeData xmlns:pr="smNativeData" val="SMDATA_13_8OOwYxMAAAAlAAAAZAAAAA8BAAAAkAAAAEgAAACQAAAASAAAAAAAAAABAAAAAAAAAAEAAABQAAAAAAAAAAAA4D8AAAAAAADgPwAAAAAAAOA/AAAAAAAA4D8AAAAAAADgPwAAAAAAAOA/AAAAAAAA4D8AAAAAAADgPwAAAAAAAOA/AAAAAAAA4D8CAAAAjAAAAAAAAAAAAAAAu+DjDP///wgAAAAAAAAAAAAAAAAAAAAAAAAAAAAAAAAAAAAAZAAAAAEAAABAAAAAAAAAAAAAAAAAAAAAAAAAAAAAAAAAAAAAAAAAAAAAAAAAAAAAAAAAAAAAAAAAAAAAAAAAAAAAAAAAAAAAAAAAAAAAAAAAAAAAAAAAAAAAAAAAAAAAFAAAADwAAAAAAAAAAAAAAAAAAAkUAAAAAQAAABQAAAAUAAAAFAAAAAEAAAAAAAAAZAAAAGQAAAAAAAAAZAAAAGQAAAAVAAAAYAAAAAAAAAAAAAAADwAAACADAAAAAAAAAAAAAAEAAACgMgAAVgcAAKr4//8BAAAAf39/AAEAAABkAAAAAAAAABQAAABAHwAAAAAAACYAAAAAAAAAwOD//wAAAAAmAAAAZAAAABYAAABMAAAAAAAAAAAAAAAEAAAAAAAAAAEAAACAgIAKAAAAACgAAAAoAAAAZAAAAGQAAAAAAAAAzMzMAAAAAABQAAAAUAAAAGQAAABkAAAAAAAAABcAAAAUAAAAAAAAAAAAAAD/fwAA/38AAAAAAAAJAAAABAAAAAAAAAAMAAAAEAAAAAAAAAAAAAAAAAAAAAAAAAAeAAAAaAAAAAAAAAAAAAAAAAAAAAAAAAAAAAAAECcAABAnAAAAAAAAAAAAAAAAAAAAAAAAAAAAAAAAAAAAAAAAAAAAABQAAAAAAAAAwMD/AAAAAABkAAAAMgAAAAAAAABkAAAAAAAAAH9/fwAKAAAAHwAAAFQAAAAAAAAFAAAAAQAAAAAAAAAAAAAAAAAAAAAAAAAAAAAAAAAAAAAAAAAAAAAAAn9/fwAAAAADzMzMAMDA/wB/f38AAAAAAAAAAAAAAAAAAAAAAAAAAAAhAAAAGAAAABQAAAA4EwAAGycAAAglAABZKQAAEAAAACYAAAAIAAAA//////////8="/>
+                <pr:smNativeData xmlns:pr="smNativeData" val="SMDATA_13_5C6yYxMAAAAlAAAAZAAAAA8BAAAAkAAAAEgAAACQAAAASAAAAAAAAAABAAAAAAAAAAEAAABQAAAAAAAAAAAA4D8AAAAAAADgPwAAAAAAAOA/AAAAAAAA4D8AAAAAAADgPwAAAAAAAOA/AAAAAAAA4D8AAAAAAADgPwAAAAAAAOA/AAAAAAAA4D8CAAAAjAAAAAAAAAAAAAAAu+DjDP///wgAAAAAAAAAAAAAAAAAAAAAAAAAAAAAAAAAAAAAZAAAAAEAAABAAAAAAAAAAAAAAAAAAAAAAAAAAAAAAAAAAAAAAAAAAAAAAAAAAAAAAAAAAAAAAAAAAAAAAAAAAAAAAAAAAAAAAAAAAAAAAAAAAAAAAAAAAAAAAAAAAAAAFAAAADwAAAAAAAAAAAAAAAAAAAkUAAAAAQAAABQAAAAUAAAAFAAAAAEAAAAAAAAAZAAAAGQAAAAAAAAAZAAAAGQAAAAVAAAAYAAAAAAAAAAAAAAADwAAACADAAAAAAAAAAAAAAEAAACgMgAAVgcAAKr4//8BAAAAf39/AAEAAABkAAAAAAAAABQAAABAHwAAAAAAACYAAAAAAAAAwOD//wAAAAAmAAAAZAAAABYAAABMAAAAAAAAAAAAAAAEAAAAAAAAAAEAAACAgIAKAAAAACgAAAAoAAAAZAAAAGQAAAAAAAAAzMzMAAAAAABQAAAAUAAAAGQAAABkAAAAAAAAABcAAAAUAAAAAAAAAAAAAAD/fwAA/38AAAAAAAAJAAAABAAAAAAAAAAMAAAAEAAAAAAAAAAAAAAAAAAAAAAAAAAeAAAAaAAAAAAAAAAAAAAAAAAAAAAAAAAAAAAAECcAABAnAAAAAAAAAAAAAAAAAAAAAAAAAAAAAAAAAAAAAAAAAAAAABQAAAAAAAAAwMD/AAAAAABkAAAAMgAAAAAAAABkAAAAAAAAAH9/fwAKAAAAHwAAAFQAAAAAAAAFAAAAAQAAAAAAAAAAAAAAAAAAAAAAAAAAAAAAAAAAAAAAAAAAAAAAAn9/fwAAAAADzMzMAMDA/wB/f38AAAAAAAAAAAAAAAAAAAAAAAAAAAAhAAAAGAAAABQAAAA4EwAAGycAAAglAABZKQAAEAAAACYAAAAIAAAA//////////8="/>
               </a:ext>
             </a:extLst>
           </p:cNvSpPr>
@@ -2983,7 +2984,7 @@
             <a:spLocks noGrp="1" noChangeArrowheads="1"/>
             <a:extLst>
               <a:ext uri="smNativeData">
-                <pr:smNativeData xmlns:pr="smNativeData" val="SMDATA_13_8OOwYxMAAAAlAAAAZAAAAA8BAAAAkAAAAEgAAACQAAAASAAAAAAAAAABAAAAAAAAAAEAAABQAAAAAAAAAAAA4D8AAAAAAADgPwAAAAAAAOA/AAAAAAAA4D8AAAAAAADgPwAAAAAAAOA/AAAAAAAA4D8AAAAAAADgPwAAAAAAAOA/AAAAAAAA4D8CAAAAjAAAAAAAAAAAAAAAu+DjDP///wgAAAAAAAAAAAAAAAAAAAAAAAAAAAAAAAAAAAAAZAAAAAEAAABAAAAAAAAAAAAAAAAAAAAAAAAAAAAAAAAAAAAAAAAAAAAAAAAAAAAAAAAAAAAAAAAAAAAAAAAAAAAAAAAAAAAAAAAAAAAAAAAAAAAAAAAAAAAAAAAAAAAAFAAAADwAAAAAAAAAAAAAAAAAAAkUAAAAAQAAABQAAAAUAAAAFAAAAAEAAAAAAAAAZAAAAGQAAAAAAAAAZAAAAGQAAAAVAAAAYAAAAAAAAAAAAAAADwAAACADAAAAAAAAAAAAAAEAAACgMgAAVgcAAKr4//8BAAAAf39/AAEAAABkAAAAAAAAABQAAABAHwAAAAAAACYAAAAAAAAAwOD//wAAAAAmAAAAZAAAABYAAABMAAAAAAAAAAAAAAAEAAAAAAAAAAEAAACAgIAKAAAAACgAAAAoAAAAZAAAAGQAAAAAAAAAzMzMAAAAAABQAAAAUAAAAGQAAABkAAAAAAAAABcAAAAUAAAAAAAAAAAAAAD/fwAA/38AAAAAAAAJAAAABAAAAAAAAAAMAAAAEAAAAAAAAAAAAAAAAAAAAAAAAAAeAAAAaAAAAAAAAAAAAAAAAAAAAAAAAAAAAAAAECcAABAnAAAAAAAAAAAAAAAAAAAAAAAAAAAAAAAAAAAAAAAAAAAAABQAAAAAAAAAwMD/AAAAAABkAAAAMgAAAAAAAABkAAAAAAAAAH9/fwAKAAAAHwAAAFQAAAAAAAAFAAAAAQAAAAAAAAAAAAAAAAAAAAAAAAAAAAAAAAAAAAAAAAAAAAAAAn9/fwAAAAADzMzMAMDA/wB/f38AAAAAAAAAAAAAAAAAAAAAAAAAAAAhAAAAGAAAABQAAABQKAAAGycAAHA1AABZKQAAEAAAACYAAAAIAAAA//////////8="/>
+                <pr:smNativeData xmlns:pr="smNativeData" val="SMDATA_13_5C6yYxMAAAAlAAAAZAAAAA8BAAAAkAAAAEgAAACQAAAASAAAAAAAAAABAAAAAAAAAAEAAABQAAAAAAAAAAAA4D8AAAAAAADgPwAAAAAAAOA/AAAAAAAA4D8AAAAAAADgPwAAAAAAAOA/AAAAAAAA4D8AAAAAAADgPwAAAAAAAOA/AAAAAAAA4D8CAAAAjAAAAAAAAAAAAAAAu+DjDP///wgAAAAAAAAAAAAAAAAAAAAAAAAAAAAAAAAAAAAAZAAAAAEAAABAAAAAAAAAAAAAAAAAAAAAAAAAAAAAAAAAAAAAAAAAAAAAAAAAAAAAAAAAAAAAAAAAAAAAAAAAAAAAAAAAAAAAAAAAAAAAAAAAAAAAAAAAAAAAAAAAAAAAFAAAADwAAAAAAAAAAAAAAAAAAAkUAAAAAQAAABQAAAAUAAAAFAAAAAEAAAAAAAAAZAAAAGQAAAAAAAAAZAAAAGQAAAAVAAAAYAAAAAAAAAAAAAAADwAAACADAAAAAAAAAAAAAAEAAACgMgAAVgcAAKr4//8BAAAAf39/AAEAAABkAAAAAAAAABQAAABAHwAAAAAAACYAAAAAAAAAwOD//wAAAAAmAAAAZAAAABYAAABMAAAAAAAAAAAAAAAEAAAAAAAAAAEAAACAgIAKAAAAACgAAAAoAAAAZAAAAGQAAAAAAAAAzMzMAAAAAABQAAAAUAAAAGQAAABkAAAAAAAAABcAAAAUAAAAAAAAAAAAAAD/fwAA/38AAAAAAAAJAAAABAAAAAAAAAAMAAAAEAAAAAAAAAAAAAAAAAAAAAAAAAAeAAAAaAAAAAAAAAAAAAAAAAAAAAAAAAAAAAAAECcAABAnAAAAAAAAAAAAAAAAAAAAAAAAAAAAAAAAAAAAAAAAAAAAABQAAAAAAAAAwMD/AAAAAABkAAAAMgAAAAAAAABkAAAAAAAAAH9/fwAKAAAAHwAAAFQAAAAAAAAFAAAAAQAAAAAAAAAAAAAAAAAAAAAAAAAAAAAAAAAAAAAAAAAAAAAAAn9/fwAAAAADzMzMAMDA/wB/f38AAAAAAAAAAAAAAAAAAAAAAAAAAAAhAAAAGAAAABQAAABQKAAAGycAAHA1AABZKQAAEAAAACYAAAAIAAAA//////////8="/>
               </a:ext>
             </a:extLst>
           </p:cNvSpPr>
@@ -3018,7 +3019,7 @@
           </a:lstStyle>
           <a:p>
             <a:pPr/>
-            <a:fld id="{0B3B7AFC-B2E6-6E8C-A883-44D934CD5E11}" type="slidenum">
+            <a:fld id="{06343187-C9EB-61C7-A58C-3F927FC2536A}" type="slidenum">
               <a:t/>
             </a:fld>
           </a:p>
@@ -3696,7 +3697,7 @@
           <p:cNvSpPr>
             <a:extLst>
               <a:ext uri="smNativeData">
-                <pr:smNativeData xmlns:pr="smNativeData" val="SMDATA_13_8OOwYxMAAAAlAAAAZAAAAA8BAAAAkAAAAEgAAACQAAAASAAAAAAAAAAAAAAAAAAAAAEAAABQAAAAAAAAAAAA4D8AAAAAAADgPwAAAAAAAOA/AAAAAAAA4D8AAAAAAADgPwAAAAAAAOA/AAAAAAAA4D8AAAAAAADgPwAAAAAAAOA/AAAAAAAA4D8CAAAAjAAAAAEAAAAAAAAAAAAACf///wgAAAAAAAAAAAAAAAAAAAAAAAAAAAAAAAAAAAAAZAAAAAEAAABAAAAAAAAAAAAAAAAAAAAAAAAAAAAAAAAAAAAAAAAAAAAAAAAAAAAAAAAAAAAAAAAAAAAAAAAAAAAAAAAAAAAAAAAAAAAAAAAAAAAAAAAAAAAAAAAAAAAAFAAAADwAAAABAAAAAAAAAAAAAAkUAAAAAQAAABQAAAAUAAAAFAAAAAEAAAAAAAAAZAAAAGQAAAAAAAAAZAAAAGQAAAAVAAAAYAAAAAAAAAAAAAAADwAAACADAAAAAAAAAAAAAAEAAACgMgAAVgcAAKr4//8BAAAAf39/AAEAAABkAAAAAAAAABQAAABAHwAAAAAAACYAAAAAAAAAwOD//wAAAAAmAAAAZAAAABYAAABMAAAAAAAAAAAAAAAEAAAAAAAAAAEAAACAgIAKAAAAACgAAAAoAAAAZAAAAGQAAAAAAAAAzMzMAAAAAABQAAAAUAAAAGQAAABkAAAAAAAAABcAAAAUAAAAAAAAAAAAAAD/fwAA/38AAAAAAAAJAAAABAAAAAAAAAAMAAAAEAAAAAAAAAAAAAAAAAAAAAAAAAAeAAAAaAAAAAAAAAAAAAAAAAAAAAAAAAAAAAAAECcAABAnAAAAAAAAAAAAAAAAAAAAAAAAAAAAAAAAAAAAAAAAAAAAABQAAAAAAAAAwMD/AAAAAABkAAAAMgAAAAAAAABkAAAAAAAAAH9/fwAKAAAAHwAAAFQAAAAAAAAC////AQAAAAAAAAAAAAAAAAAAAAAAAAAAAAAAAAAAAAAAAAAAAAAAAn9/fwCAgIADzMzMAMDA/wB/f38AAAAAAAAAAAAAAAAAAAAAAAAAAAAhAAAAGAAAABQAAABTAQAA4wAAANEqAADlDwAAEAAAACYAAAAIAAAA//////////8="/>
+                <pr:smNativeData xmlns:pr="smNativeData" val="SMDATA_13_5C6yYxMAAAAlAAAAZAAAAA8BAAAAkAAAAEgAAACQAAAASAAAAAAAAAAAAAAAAAAAAAEAAABQAAAAAAAAAAAA4D8AAAAAAADgPwAAAAAAAOA/AAAAAAAA4D8AAAAAAADgPwAAAAAAAOA/AAAAAAAA4D8AAAAAAADgPwAAAAAAAOA/AAAAAAAA4D8CAAAAjAAAAAEAAAAAAAAAAAAACf///wgAAAAAAAAAAAAAAAAAAAAAAAAAAAAAAAAAAAAAZAAAAAEAAABAAAAAAAAAAAAAAAAAAAAAAAAAAAAAAAAAAAAAAAAAAAAAAAAAAAAAAAAAAAAAAAAAAAAAAAAAAAAAAAAAAAAAAAAAAAAAAAAAAAAAAAAAAAAAAAAAAAAAFAAAADwAAAABAAAAAAAAAAAAAAkUAAAAAQAAABQAAAAUAAAAFAAAAAEAAAAAAAAAZAAAAGQAAAAAAAAAZAAAAGQAAAAVAAAAYAAAAAAAAAAAAAAADwAAACADAAAAAAAAAAAAAAEAAACgMgAAVgcAAKr4//8BAAAAf39/AAEAAABkAAAAAAAAABQAAABAHwAAAAAAACYAAAAAAAAAwOD//wAAAAAmAAAAZAAAABYAAABMAAAAAAAAAAAAAAAEAAAAAAAAAAEAAACAgIAKAAAAACgAAAAoAAAAZAAAAGQAAAAAAAAAzMzMAAAAAABQAAAAUAAAAGQAAABkAAAAAAAAABcAAAAUAAAAAAAAAAAAAAD/fwAA/38AAAAAAAAJAAAABAAAAAAAAAAMAAAAEAAAAAAAAAAAAAAAAAAAAAAAAAAeAAAAaAAAAAAAAAAAAAAAAAAAAAAAAAAAAAAAECcAABAnAAAAAAAAAAAAAAAAAAAAAAAAAAAAAAAAAAAAAAAAAAAAABQAAAAAAAAAwMD/AAAAAABkAAAAMgAAAAAAAABkAAAAAAAAAH9/fwAKAAAAHwAAAFQAAAAAAAAC////AQAAAAAAAAAAAAAAAAAAAAAAAAAAAAAAAAAAAAAAAAAAAAAAAn9/fwCAgIADzMzMAMDA/wB/f38AAAAAAAAAAAAAAAAAAAAAAAAAAAAhAAAAGAAAABQAAABTAQAA4wAAANEqAADlDwAAEAAAACYAAAAIAAAA//////////8="/>
               </a:ext>
             </a:extLst>
           </p:cNvSpPr>
@@ -3731,7 +3732,7 @@
             <a:picLocks noChangeAspect="1"/>
             <a:extLst>
               <a:ext uri="smNativeData">
-                <pr:smNativeData xmlns:pr="smNativeData" val="SMDATA_15_8OOwYxMAAAAlAAAAEQAAAC8BAAAAkAAAAEgAAACQAAAASAAAAAAAAAAAAAAAAAAAAAEAAABQAAAAAAAAAAAA4D8AAAAAAADgPwAAAAAAAOA/AAAAAAAA4D8AAAAAAADgPwAAAAAAAOA/AAAAAAAA4D8AAAAAAADgPwAAAAAAAOA/AAAAAAAA4D8CAAAAjAAAAAAAAAAAAAAAu+DjDP///wgAAAAAAAAAAAAAAAAAAAAAAAAAAAAAAAAAAAAAZAAAAAEAAABAAAAAAAAAAAAAAAAAAAAAAAAAAAAAAAAAAAAAAAAAAAAAAAAAAAAAAAAAAAAAAAAAAAAAAAAAAAAAAAAAAAAAAAAAAAAAAAAAAAAAAAAAAAAAAAAAAAAAFAAAADwAAAAAAAAAAAAAAAAAAAkUAAAAAQAAABQAAAAUAAAAFAAAAAEAAAAAAAAAZAAAAGQAAAAAAAAAZAAAAGQAAAAVAAAAYAAAAAAAAAAAAAAADwAAACADAAAAAAAAAAAAAAEAAACgMgAAVgcAAKr4//8BAAAAf39/AAEAAABkAAAAAAAAABQAAABAHwAAAAAAACYAAAAAAAAAwOD//wAAAAAmAAAAZAAAABYAAABMAAAAAAAAAAAAAAAEAAAAAAAAAAEAAACAgIAKAAAAACgAAAAoAAAAZAAAAGQAAAAAAAAAzMzMAAAAAABQAAAAUAAAAGQAAABkAAAAAAAAAAcAAAA4AAAAAAAAAAAAAAAAAAAA////AAAAAAAAAAAAAAAAAAAAAAAAAAAAAAAAAAAAAABkAAAAZAAAAAAAAAAjAAAABAAAAGQAAAAXAAAAFAAAAAAAAAAAAAAA/38AAP9/AAAAAAAACQAAAAQAAAAAAAAADAAAABAAAAAAAAAAAAAAAAAAAAAAAAAAHgAAAGgAAAAAAAAAAAAAAAAAAAAAAAAAAAAAABAnAAAQJwAAAAAAAAAAAAAAAAAAAAAAAAAAAAAAAAAAAAAAAAAAAAAUAAAAAAAAAMDA/wAAAAAAZAAAADIAAAAAAAAAZAAAAAAAAAB/f38ACgAAAB8AAABUAAAAu+DjBf///wEAAAAAAAAAAAAAAAAAAAAAAAAAAAAAAAAAAAAAAAAAAAAAAAJ/f38AgICAA8zMzADAwP8Af39/AAAAAAAAAAAAAAAAAP///wAAAAAAIQAAABgAAAAUAAAA3gsAAFUBAAAsIAAA5w4AABAAAAAmAAAACAAAAP//////////"/>
+                <pr:smNativeData xmlns:pr="smNativeData" val="SMDATA_15_5C6yYxMAAAAlAAAAEQAAAC8BAAAAkAAAAEgAAACQAAAASAAAAAAAAAAAAAAAAAAAAAEAAABQAAAAAAAAAAAA4D8AAAAAAADgPwAAAAAAAOA/AAAAAAAA4D8AAAAAAADgPwAAAAAAAOA/AAAAAAAA4D8AAAAAAADgPwAAAAAAAOA/AAAAAAAA4D8CAAAAjAAAAAAAAAAAAAAAu+DjDP///wgAAAAAAAAAAAAAAAAAAAAAAAAAAAAAAAAAAAAAZAAAAAEAAABAAAAAAAAAAAAAAAAAAAAAAAAAAAAAAAAAAAAAAAAAAAAAAAAAAAAAAAAAAAAAAAAAAAAAAAAAAAAAAAAAAAAAAAAAAAAAAAAAAAAAAAAAAAAAAAAAAAAAFAAAADwAAAAAAAAAAAAAAAAAAAkUAAAAAQAAABQAAAAUAAAAFAAAAAEAAAAAAAAAZAAAAGQAAAAAAAAAZAAAAGQAAAAVAAAAYAAAAAAAAAAAAAAADwAAACADAAAAAAAAAAAAAAEAAACgMgAAVgcAAKr4//8BAAAAf39/AAEAAABkAAAAAAAAABQAAABAHwAAAAAAACYAAAAAAAAAwOD//wAAAAAmAAAAZAAAABYAAABMAAAAAAAAAAAAAAAEAAAAAAAAAAEAAACAgIAKAAAAACgAAAAoAAAAZAAAAGQAAAAAAAAAzMzMAAAAAABQAAAAUAAAAGQAAABkAAAAAAAAAAcAAAA4AAAAAAAAAAAAAAAAAAAA////AAAAAAAAAAAAAAAAAAAAAAAAAAAAAAAAAAAAAABkAAAAZAAAAAAAAAAjAAAABAAAAGQAAAAXAAAAFAAAAAAAAAAAAAAA/38AAP9/AAAAAAAACQAAAAQAAAAAAAAADAAAABAAAAAAAAAAAAAAAAAAAAAAAAAAHgAAAGgAAAAAAAAAAAAAAAAAAAAAAAAAAAAAABAnAAAQJwAAAAAAAAAAAAAAAAAAAAAAAAAAAAAAAAAAAAAAAAAAAAAUAAAAAAAAAMDA/wAAAAAAZAAAADIAAAAAAAAAZAAAAAAAAAB/f38ACgAAAB8AAABUAAAAu+DjBf///wEAAAAAAAAAAAAAAAAAAAAAAAAAAAAAAAAAAAAAAAAAAAAAAAJ/f38AgICAA8zMzADAwP8Af39/AAAAAAAAAAAAAAAAAP///wAAAAAAIQAAABgAAAAUAAAA3gsAAFUBAAAsIAAA5w4AABAAAAAmAAAACAAAAP//////////"/>
               </a:ext>
             </a:extLst>
           </p:cNvPicPr>
@@ -3765,7 +3766,7 @@
             <a:picLocks noChangeAspect="1"/>
             <a:extLst>
               <a:ext uri="smNativeData">
-                <pr:smNativeData xmlns:pr="smNativeData" val="SMDATA_15_8OOwYxMAAAAlAAAAEQAAAC8BAAAAkAAAAEgAAACQAAAASAAAAAAAAAAAAAAAAAAAAAEAAABQAAAAAAAAAAAA4D8AAAAAAADgPwAAAAAAAOA/AAAAAAAA4D8AAAAAAADgPwAAAAAAAOA/AAAAAAAA4D8AAAAAAADgPwAAAAAAAOA/AAAAAAAA4D8CAAAAjAAAAAAAAAAAAAAAu+DjDP///wgAAAAAAAAAAAAAAAAAAAAAAAAAAAAAAAAAAAAAZAAAAAEAAABAAAAAAAAAAAAAAAAAAAAAAAAAAAAAAAAAAAAAAAAAAAAAAAAAAAAAAAAAAAAAAAAAAAAAAAAAAAAAAAAAAAAAAAAAAAAAAAAAAAAAAAAAAAAAAAAAAAAAFAAAADwAAAABAAAAAAAAAAAAAAsUAAAAAQAAABQAAAAUAAAAFAAAAAEAAAAAAAAAZAAAAGQAAAAAAAAAZAAAAGQAAAAVAAAAYAAAAAAAAAAAAAAADwAAACADAAAAAAAAAAAAAAEAAACgMgAAAAAAAAAAAAABAAAAf39/AAEAAABkAAAAAAAAABQAAABAHwAAAAAAACYAAAAAAAAAwOD//wAAAAAmAAAAZAAAABYAAABMAAAAAAAAAAAAAAAEAAAAAAAAAAEAAACAgIAKAAAAACgAAAAoAAAAZAAAAGQAAAAAAAAAzMzMAAAAAABQAAAAUAAAAGQAAABkAAAAAAAAAAcAAAA4AAAAAAAAAAAAAAAAAAAA////AAAAAAAAAAAAAAAAAAAAAAAAAAAAAAAAAAAAAABkAAAAZAAAAAAAAAAjAAAABAAAAGQAAAAXAAAAFAAAAAAAAAAAAAAA/38AAP9/AAAAAAAACQAAAAQAAAAAAAAADAAAABAAAAAAAAAAAAAAAAAAAAAAAAAAHgAAAGgAAAAAAAAAAAAAAAAAAAAAAAAAAAAAABAnAAAQJwAAAAAAAAAAAAAAAAAAAAAAAAAAAAAAAAAAAAAAAAAAAAAUAAAAAAAAAMDA/wAAAAAAZAAAADIAAAAAAAAAZAAAAAAAAAB/f38ACgAAAB8AAABUAAAAu+DjBf///wEAAAAAAAAAAAAAAAAAAAAAAAAAAAAAAAAAAAAAAAAAAAAAAAR/f38AgICAA8zMzADAwP8Af39/AAAAAAAAAAAAAAAAAP///wAAAAAAIQAAABgAAAAUAAAAbQEAADkBAAB6CwAANA8AABAAAAAmAAAACAAAAP//////////"/>
+                <pr:smNativeData xmlns:pr="smNativeData" val="SMDATA_15_5C6yYxMAAAAlAAAAEQAAAC8BAAAAkAAAAEgAAACQAAAASAAAAAAAAAAAAAAAAAAAAAEAAABQAAAAAAAAAAAA4D8AAAAAAADgPwAAAAAAAOA/AAAAAAAA4D8AAAAAAADgPwAAAAAAAOA/AAAAAAAA4D8AAAAAAADgPwAAAAAAAOA/AAAAAAAA4D8CAAAAjAAAAAAAAAAAAAAAu+DjDP///wgAAAAAAAAAAAAAAAAAAAAAAAAAAAAAAAAAAAAAZAAAAAEAAABAAAAAAAAAAAAAAAAAAAAAAAAAAAAAAAAAAAAAAAAAAAAAAAAAAAAAAAAAAAAAAAAAAAAAAAAAAAAAAAAAAAAAAAAAAAAAAAAAAAAAAAAAAAAAAAAAAAAAFAAAADwAAAABAAAAAAAAAAAAAAsUAAAAAQAAABQAAAAUAAAAFAAAAAEAAAAAAAAAZAAAAGQAAAAAAAAAZAAAAGQAAAAVAAAAYAAAAAAAAAAAAAAADwAAACADAAAAAAAAAAAAAAEAAACgMgAAAAAAAAAAAAABAAAAf39/AAEAAABkAAAAAAAAABQAAABAHwAAAAAAACYAAAAAAAAAwOD//wAAAAAmAAAAZAAAABYAAABMAAAAAAAAAAAAAAAEAAAAAAAAAAEAAACAgIAKAAAAACgAAAAoAAAAZAAAAGQAAAAAAAAAzMzMAAAAAABQAAAAUAAAAGQAAABkAAAAAAAAAAcAAAA4AAAAAAAAAAAAAAAAAAAA////AAAAAAAAAAAAAAAAAAAAAAAAAAAAAAAAAAAAAABkAAAAZAAAAAAAAAAjAAAABAAAAGQAAAAXAAAAFAAAAAAAAAAAAAAA/38AAP9/AAAAAAAACQAAAAQAAAAAAAAADAAAABAAAAAAAAAAAAAAAAAAAAAAAAAAHgAAAGgAAAAAAAAAAAAAAAAAAAAAAAAAAAAAABAnAAAQJwAAAAAAAAAAAAAAAAAAAAAAAAAAAAAAAAAAAAAAAAAAAAAUAAAAAAAAAMDA/wAAAAAAZAAAADIAAAAAAAAAZAAAAAAAAAB/f38ACgAAAB8AAABUAAAAu+DjBf///wEAAAAAAAAAAAAAAAAAAAAAAAAAAAAAAAAAAAAAAAAAAAAAAAR/f38AgICAA8zMzADAwP8Af39/AAAAAAAAAAAAAAAAAP///wAAAAAAIQAAABgAAAAUAAAAbQEAADkBAAB6CwAANA8AABAAAAAmAAAACAAAAP//////////"/>
               </a:ext>
             </a:extLst>
           </p:cNvPicPr>
@@ -3804,7 +3805,7 @@
             <a:picLocks noChangeAspect="1"/>
             <a:extLst>
               <a:ext uri="smNativeData">
-                <pr:smNativeData xmlns:pr="smNativeData" val="SMDATA_15_8OOwYxMAAAAlAAAAEQAAAC8BAAAAkAAAAEgAAACQAAAASAAAAAAAAAAAAAAAAAAAAAEAAABQAAAAAAAAAAAA4D8AAAAAAADgPwAAAAAAAOA/AAAAAAAA4D8AAAAAAADgPwAAAAAAAOA/AAAAAAAA4D8AAAAAAADgPwAAAAAAAOA/AAAAAAAA4D8CAAAAjAAAAAAAAAAAAAAAu+DjDP///wgAAAAAAAAAAAAAAAAAAAAAAAAAAAAAAAAAAAAAZAAAAAEAAABAAAAAAAAAAAAAAAAAAAAAAAAAAAAAAAAAAAAAAAAAAAAAAAAAAAAAAAAAAAAAAAAAAAAAAAAAAAAAAAAAAAAAAAAAAAAAAAAAAAAAAAAAAAAAAAAAAAAAFAAAADwAAAAAAAAAAAAAAAAAAAkUAAAAAQAAABQAAAAUAAAAFAAAAAEAAAAAAAAAZAAAAGQAAAAAAAAAZAAAAGQAAAAVAAAAYAAAAAAAAAAAAAAADwAAACADAAAAAAAAAAAAAAEAAACgMgAAVgcAAKr4//8BAAAAf39/AAEAAABkAAAAAAAAABQAAABAHwAAAAAAACYAAAAAAAAAwOD//wAAAAAmAAAAZAAAABYAAABMAAAAAAAAAAAAAAAEAAAAAAAAAAEAAACAgIAKAAAAACgAAAAoAAAAZAAAAGQAAAAAAAAAzMzMAAAAAABQAAAAUAAAAGQAAABkAAAAAAAAAAcAAAA4AAAAAAAAAAAAAAAAAAAA////AAAAAAAAAAAAAAAAAAAAAAAAAAAAAAAAAAAAAABkAAAAZAAAAAAAAAAjAAAABAAAAGQAAAAXAAAAFAAAAAAAAAAAAAAA/38AAP9/AAAAAAAACQAAAAQAAACcxxIMDAAAABAAAAAAAAAAAAAAAAAAAAAAAAAAHgAAAGgAAAAAAAAAAAAAAAAAAAAAAAAAAAAAABAnAAAQJwAAAAAAAAAAAAAAAAAAAAAAAAAAAAAAAAAAAAAAAAAAAAAUAAAAAAAAAMDA/wAAAAAAZAAAADIAAAAAAAAAZAAAAAAAAAB/f38ACgAAAB8AAABUAAAAu+DjBf///wEAAAAAAAAAAAAAAAAAAAAAAAAAAAAAAAAAAAAAAAAAAAAAAAJ/f38AgICAA8zMzADAwP8Af39/AAAAAAAAAAAAAAAAAP///wAAAAAAIQAAABgAAAAUAAAAOSAAAAYBAABtKgAA0A4AABAAAAAmAAAACAAAAP//////////"/>
+                <pr:smNativeData xmlns:pr="smNativeData" val="SMDATA_15_5C6yYxMAAAAlAAAAEQAAAC8BAAAAkAAAAEgAAACQAAAASAAAAAAAAAAAAAAAAAAAAAEAAABQAAAAAAAAAAAA4D8AAAAAAADgPwAAAAAAAOA/AAAAAAAA4D8AAAAAAADgPwAAAAAAAOA/AAAAAAAA4D8AAAAAAADgPwAAAAAAAOA/AAAAAAAA4D8CAAAAjAAAAAAAAAAAAAAAu+DjDP///wgAAAAAAAAAAAAAAAAAAAAAAAAAAAAAAAAAAAAAZAAAAAEAAABAAAAAAAAAAAAAAAAAAAAAAAAAAAAAAAAAAAAAAAAAAAAAAAAAAAAAAAAAAAAAAAAAAAAAAAAAAAAAAAAAAAAAAAAAAAAAAAAAAAAAAAAAAAAAAAAAAAAAFAAAADwAAAAAAAAAAAAAAAAAAAkUAAAAAQAAABQAAAAUAAAAFAAAAAEAAAAAAAAAZAAAAGQAAAAAAAAAZAAAAGQAAAAVAAAAYAAAAAAAAAAAAAAADwAAACADAAAAAAAAAAAAAAEAAACgMgAAVgcAAKr4//8BAAAAf39/AAEAAABkAAAAAAAAABQAAABAHwAAAAAAACYAAAAAAAAAwOD//wAAAAAmAAAAZAAAABYAAABMAAAAAAAAAAAAAAAEAAAAAAAAAAEAAACAgIAKAAAAACgAAAAoAAAAZAAAAGQAAAAAAAAAzMzMAAAAAABQAAAAUAAAAGQAAABkAAAAAAAAAAcAAAA4AAAAAAAAAAAAAAAAAAAA////AAAAAAAAAAAAAAAAAAAAAAAAAAAAAAAAAAAAAABkAAAAZAAAAAAAAAAjAAAABAAAAGQAAAAXAAAAFAAAAAAAAAAAAAAA/38AAP9/AAAAAAAACQAAAAQAAACcxxIMDAAAABAAAAAAAAAAAAAAAAAAAAAAAAAAHgAAAGgAAAAAAAAAAAAAAAAAAAAAAAAAAAAAABAnAAAQJwAAAAAAAAAAAAAAAAAAAAAAAAAAAAAAAAAAAAAAAAAAAAAUAAAAAAAAAMDA/wAAAAAAZAAAADIAAAAAAAAAZAAAAAAAAAB/f38ACgAAAB8AAABUAAAAu+DjBf///wEAAAAAAAAAAAAAAAAAAAAAAAAAAAAAAAAAAAAAAAAAAAAAAAJ/f38AgICAA8zMzADAwP8Af39/AAAAAAAAAAAAAAAAAP///wAAAAAAIQAAABgAAAAUAAAAOSAAAAYBAABtKgAA0A4AABAAAAAmAAAACAAAAP//////////"/>
               </a:ext>
             </a:extLst>
           </p:cNvPicPr>
@@ -3870,7 +3871,7 @@
             <a:picLocks noChangeAspect="1"/>
             <a:extLst>
               <a:ext uri="smNativeData">
-                <pr:smNativeData xmlns:pr="smNativeData" val="SMDATA_15_8OOwYxMAAAAlAAAAEQAAAC8BAAAAkAAAAEgAAACQAAAASAAAAAAAAAAAAAAAAAAAAAEAAABQAAAAAAAAAAAA4D8AAAAAAADgPwAAAAAAAOA/AAAAAAAA4D8AAAAAAADgPwAAAAAAAOA/AAAAAAAA4D8AAAAAAADgPwAAAAAAAOA/AAAAAAAA4D8CAAAAjAAAAAAAAAAAAAAAu+DjDP///wgAAAAAAAAAAAAAAAAAAAAAAAAAAAAAAAAAAAAAZAAAAAEAAABAAAAAAAAAAAAAAAAAAAAAAAAAAAAAAAAAAAAAAAAAAAAAAAAAAAAAAAAAAAAAAAAAAAAAAAAAAAAAAAAAAAAAAAAAAAAAAAAAAAAAAAAAAAAAAAAAAAAAFAAAADwAAAAAAAAAAAAAAAAAAAkUAAAAAQAAABQAAAAUAAAAFAAAAAEAAAAAAAAAZAAAAGQAAAAAAAAAZAAAAGQAAAAVAAAAYAAAAAAAAAAAAAAADwAAACADAAAAAAAAAAAAAAEAAACgMgAAVgcAAKr4//8BAAAAf39/AAEAAABkAAAAAAAAABQAAABAHwAAAAAAACYAAAAAAAAAwOD//wAAAAAmAAAAZAAAABYAAABMAAAAAAAAAAAAAAAEAAAAAAAAAAEAAACAgIAKAAAAACgAAAAoAAAAZAAAAGQAAAAAAAAAzMzMAAAAAABQAAAAUAAAAGQAAABkAAAAAAAAAAcAAAA4AAAAAAAAAAAAAAAAAAAA////AAAAAAAAAAAAAAAAAAAAAAAAAAAAAAAAAAAAAABkAAAAZAAAAAAAAAAjAAAABAAAAGQAAAAXAAAAFAAAAAAAAAAAAAAA/38AAP9/AAAAAAAACQAAAAQAAAD/////DAAAABAAAAAAAAAAAAAAAAAAAAAAAAAAHgAAAGgAAAAAAAAAAAAAAAAAAAAAAAAAAAAAABAnAAAQJwAAAAAAAAAAAAAAAAAAAAAAAAAAAAAAAAAAAAAAAAAAAAAUAAAAAAAAAMDA/wAAAAAAZAAAADIAAAAAAAAAZAAAAAAAAAB/f38ACgAAAB8AAABUAAAAu+DjBf///wEAAAAAAAAAAAAAAAAAAAAAAAAAAAAAAAAAAAAAAAAAAAAAAAJ/f38AgICAA8zMzADAwP8Af39/AAAAAAAAAAAAAAAAAP///wAAAAAAIQAAABgAAAAUAAAAKg0AAAIPAABHGAAAUxkAABAAAAAmAAAACAAAAP//////////"/>
+                <pr:smNativeData xmlns:pr="smNativeData" val="SMDATA_15_5C6yYxMAAAAlAAAAEQAAAC8BAAAAkAAAAEgAAACQAAAASAAAAAAAAAAAAAAAAAAAAAEAAABQAAAAAAAAAAAA4D8AAAAAAADgPwAAAAAAAOA/AAAAAAAA4D8AAAAAAADgPwAAAAAAAOA/AAAAAAAA4D8AAAAAAADgPwAAAAAAAOA/AAAAAAAA4D8CAAAAjAAAAAAAAAAAAAAAu+DjDP///wgAAAAAAAAAAAAAAAAAAAAAAAAAAAAAAAAAAAAAZAAAAAEAAABAAAAAAAAAAAAAAAAAAAAAAAAAAAAAAAAAAAAAAAAAAAAAAAAAAAAAAAAAAAAAAAAAAAAAAAAAAAAAAAAAAAAAAAAAAAAAAAAAAAAAAAAAAAAAAAAAAAAAFAAAADwAAAAAAAAAAAAAAAAAAAkUAAAAAQAAABQAAAAUAAAAFAAAAAEAAAAAAAAAZAAAAGQAAAAAAAAAZAAAAGQAAAAVAAAAYAAAAAAAAAAAAAAADwAAACADAAAAAAAAAAAAAAEAAACgMgAAVgcAAKr4//8BAAAAf39/AAEAAABkAAAAAAAAABQAAABAHwAAAAAAACYAAAAAAAAAwOD//wAAAAAmAAAAZAAAABYAAABMAAAAAAAAAAAAAAAEAAAAAAAAAAEAAACAgIAKAAAAACgAAAAoAAAAZAAAAGQAAAAAAAAAzMzMAAAAAABQAAAAUAAAAGQAAABkAAAAAAAAAAcAAAA4AAAAAAAAAAAAAAAAAAAA////AAAAAAAAAAAAAAAAAAAAAAAAAAAAAAAAAAAAAABkAAAAZAAAAAAAAAAjAAAABAAAAGQAAAAXAAAAFAAAAAAAAAAAAAAA/38AAP9/AAAAAAAACQAAAAQAAAD/////DAAAABAAAAAAAAAAAAAAAAAAAAAAAAAAHgAAAGgAAAAAAAAAAAAAAAAAAAAAAAAAAAAAABAnAAAQJwAAAAAAAAAAAAAAAAAAAAAAAAAAAAAAAAAAAAAAAAAAAAAUAAAAAAAAAMDA/wAAAAAAZAAAADIAAAAAAAAAZAAAAAAAAAB/f38ACgAAAB8AAABUAAAAu+DjBf///wEAAAAAAAAAAAAAAAAAAAAAAAAAAAAAAAAAAAAAAAAAAAAAAAJ/f38AgICAA8zMzADAwP8Af39/AAAAAAAAAAAAAAAAAP///wAAAAAAIQAAABgAAAAUAAAAKg0AAAIPAABHGAAAUxkAABAAAAAmAAAACAAAAP//////////"/>
               </a:ext>
             </a:extLst>
           </p:cNvPicPr>
@@ -3904,7 +3905,7 @@
             <a:picLocks noChangeAspect="1"/>
             <a:extLst>
               <a:ext uri="smNativeData">
-                <pr:smNativeData xmlns:pr="smNativeData" val="SMDATA_15_8OOwYxMAAAAlAAAAEQAAAC8BAAAAkAAAAEgAAACQAAAASAAAAAAAAAAAAAAAAAAAAAEAAABQAAAAAAAAAAAA4D8AAAAAAADgPwAAAAAAAOA/AAAAAAAA4D8AAAAAAADgPwAAAAAAAOA/AAAAAAAA4D8AAAAAAADgPwAAAAAAAOA/AAAAAAAA4D8CAAAAjAAAAAAAAAAAAAAAu+DjDP///wgAAAAAAAAAAAAAAAAAAAAAAAAAAAAAAAAAAAAAZAAAAAEAAABAAAAAAAAAAAAAAAAAAAAAAAAAAAAAAAAAAAAAAAAAAAAAAAAAAAAAAAAAAAAAAAAAAAAAAAAAAAAAAAAAAAAAAAAAAAAAAAAAAAAAAAAAAAAAAAAAAAAAFAAAADwAAAAAAAAAAAAAAAAAAAkUAAAAAQAAABQAAAAUAAAAFAAAAAEAAAAAAAAAZAAAAGQAAAAAAAAAZAAAAGQAAAAVAAAAYAAAAAAAAAAAAAAADwAAACADAAAAAAAAAAAAAAEAAACgMgAAVgcAAKr4//8BAAAAf39/AAEAAABkAAAAAAAAABQAAABAHwAAAAAAACYAAAAAAAAAwOD//wAAAAAmAAAAZAAAABYAAABMAAAAAAAAAAAAAAAEAAAAAAAAAAEAAACAgIAKAAAAACgAAAAoAAAAZAAAAGQAAAAAAAAAzMzMAAAAAABQAAAAUAAAAGQAAABkAAAAAAAAAAcAAAA4AAAAAAAAAAAAAAAAAAAA////AAAAAAAAAAAAAAAAAAAAAAAAAAAAAAAAAAAAAABkAAAAZAAAAAAAAAAjAAAABAAAAGQAAAAXAAAAFAAAAAAAAAAAAAAA/38AAP9/AAAAAAAACQAAAAQAAAC6AgAADAAAABAAAAAAAAAAAAAAAAAAAAAAAAAAHgAAAGgAAAAAAAAAAAAAAAAAAAAAAAAAAAAAABAnAAAQJwAAAAAAAAAAAAAAAAAAAAAAAAAAAAAAAAAAAAAAAAAAAAAUAAAAAAAAAMDA/wAAAAAAZAAAADIAAAAAAAAAZAAAAAAAAAB/f38ACgAAAB8AAABUAAAAu+DjBf///wEAAAAAAAAAAAAAAAAAAAAAAAAAAAAAAAAAAAAAAAAAAAAAAAJ/f38AgICAA8zMzADAwP8Af39/AAAAAAAAAAAAAAAAAP///wAAAAAAIQAAABgAAAAUAAAAVRgAAAIPAAAEIwAAKRkAABAAAAAmAAAACAAAAP//////////"/>
+                <pr:smNativeData xmlns:pr="smNativeData" val="SMDATA_15_5C6yYxMAAAAlAAAAEQAAAC8BAAAAkAAAAEgAAACQAAAASAAAAAAAAAAAAAAAAAAAAAEAAABQAAAAAAAAAAAA4D8AAAAAAADgPwAAAAAAAOA/AAAAAAAA4D8AAAAAAADgPwAAAAAAAOA/AAAAAAAA4D8AAAAAAADgPwAAAAAAAOA/AAAAAAAA4D8CAAAAjAAAAAAAAAAAAAAAu+DjDP///wgAAAAAAAAAAAAAAAAAAAAAAAAAAAAAAAAAAAAAZAAAAAEAAABAAAAAAAAAAAAAAAAAAAAAAAAAAAAAAAAAAAAAAAAAAAAAAAAAAAAAAAAAAAAAAAAAAAAAAAAAAAAAAAAAAAAAAAAAAAAAAAAAAAAAAAAAAAAAAAAAAAAAFAAAADwAAAAAAAAAAAAAAAAAAAkUAAAAAQAAABQAAAAUAAAAFAAAAAEAAAAAAAAAZAAAAGQAAAAAAAAAZAAAAGQAAAAVAAAAYAAAAAAAAAAAAAAADwAAACADAAAAAAAAAAAAAAEAAACgMgAAVgcAAKr4//8BAAAAf39/AAEAAABkAAAAAAAAABQAAABAHwAAAAAAACYAAAAAAAAAwOD//wAAAAAmAAAAZAAAABYAAABMAAAAAAAAAAAAAAAEAAAAAAAAAAEAAACAgIAKAAAAACgAAAAoAAAAZAAAAGQAAAAAAAAAzMzMAAAAAABQAAAAUAAAAGQAAABkAAAAAAAAAAcAAAA4AAAAAAAAAAAAAAAAAAAA////AAAAAAAAAAAAAAAAAAAAAAAAAAAAAAAAAAAAAABkAAAAZAAAAAAAAAAjAAAABAAAAGQAAAAXAAAAFAAAAAAAAAAAAAAA/38AAP9/AAAAAAAACQAAAAQAAAC6AgAADAAAABAAAAAAAAAAAAAAAAAAAAAAAAAAHgAAAGgAAAAAAAAAAAAAAAAAAAAAAAAAAAAAABAnAAAQJwAAAAAAAAAAAAAAAAAAAAAAAAAAAAAAAAAAAAAAAAAAAAAUAAAAAAAAAMDA/wAAAAAAZAAAADIAAAAAAAAAZAAAAAAAAAB/f38ACgAAAB8AAABUAAAAu+DjBf///wEAAAAAAAAAAAAAAAAAAAAAAAAAAAAAAAAAAAAAAAAAAAAAAAJ/f38AgICAA8zMzADAwP8Af39/AAAAAAAAAAAAAAAAAP///wAAAAAAIQAAABgAAAAUAAAAVRgAAAIPAAAEIwAAKRkAABAAAAAmAAAACAAAAP//////////"/>
               </a:ext>
             </a:extLst>
           </p:cNvPicPr>
@@ -3938,7 +3939,7 @@
             <a:picLocks noChangeAspect="1"/>
             <a:extLst>
               <a:ext uri="smNativeData">
-                <pr:smNativeData xmlns:pr="smNativeData" val="SMDATA_15_8OOwYxMAAAAlAAAAEQAAAC8BAAAAkAAAAEgAAACQAAAASAAAAAAAAAAAAAAAAAAAAAEAAABQAAAAAAAAAAAA4D8AAAAAAADgPwAAAAAAAOA/AAAAAAAA4D8AAAAAAADgPwAAAAAAAOA/AAAAAAAA4D8AAAAAAADgPwAAAAAAAOA/AAAAAAAA4D8CAAAAjAAAAAAAAAAAAAAAu+DjDP///wgAAAAAAAAAAAAAAAAAAAAAAAAAAAAAAAAAAAAAZAAAAAEAAABAAAAAAAAAAAAAAAAAAAAAAAAAAAAAAAAAAAAAAAAAAAAAAAAAAAAAAAAAAAAAAAAAAAAAAAAAAAAAAAAAAAAAAAAAAAAAAAAAAAAAAAAAAAAAAAAAAAAAFAAAADwAAAAAAAAAAAAAAAAAAAkUAAAAAQAAABQAAAAUAAAAFAAAAAEAAAAAAAAAZAAAAGQAAAAAAAAAZAAAAGQAAAAVAAAAYAAAAAAAAAAAAAAADwAAACADAAAAAAAAAAAAAAEAAACgMgAAVgcAAKr4//8BAAAAf39/AAEAAABkAAAAAAAAABQAAABAHwAAAAAAACYAAAAAAAAAwOD//wAAAAAmAAAAZAAAABYAAABMAAAAAAAAAAAAAAAEAAAAAAAAAAEAAACAgIAKAAAAACgAAAAoAAAAZAAAAGQAAAAAAAAAzMzMAAAAAABQAAAAUAAAAGQAAABkAAAAAAAAAAcAAAA4AAAAAAAAAAAAAAAAAAAA////AAAAAAAAAAAAAAAAAAAAAAAAAAAAAAAAAAAAAABkAAAAZAAAAAAAAAAjAAAABAAAAGQAAAAXAAAAFAAAAAAAAAAAAAAA/38AAP9/AAAAAAAACQAAAAQAAAAAAAAADAAAABAAAAAAAAAAAAAAAAAAAAAAAAAAHgAAAGgAAAAAAAAAAAAAAAAAAAAAAAAAAAAAABAnAAAQJwAAAAAAAAAAAAAAAAAAAAAAAAAAAAAAAAAAAAAAAAAAAAAUAAAAAAAAAMDA/wAAAAAAZAAAADIAAAAAAAAAZAAAAAAAAAB/f38ACgAAAB8AAABUAAAAu+DjBf///wEAAAAAAAAAAAAAAAAAAAAAAAAAAAAAAAAAAAAAAAAAAAAAAAJ/f38AgICAA8zMzADAwP8Af39/AAAAAAAAAAAAAAAAAP///wAAAAAAIQAAABgAAAAUAAAAUwEAAAIPAADODAAAKRkAABAAAAAmAAAACAAAAP//////////"/>
+                <pr:smNativeData xmlns:pr="smNativeData" val="SMDATA_15_5C6yYxMAAAAlAAAAEQAAAC8BAAAAkAAAAEgAAACQAAAASAAAAAAAAAAAAAAAAAAAAAEAAABQAAAAAAAAAAAA4D8AAAAAAADgPwAAAAAAAOA/AAAAAAAA4D8AAAAAAADgPwAAAAAAAOA/AAAAAAAA4D8AAAAAAADgPwAAAAAAAOA/AAAAAAAA4D8CAAAAjAAAAAAAAAAAAAAAu+DjDP///wgAAAAAAAAAAAAAAAAAAAAAAAAAAAAAAAAAAAAAZAAAAAEAAABAAAAAAAAAAAAAAAAAAAAAAAAAAAAAAAAAAAAAAAAAAAAAAAAAAAAAAAAAAAAAAAAAAAAAAAAAAAAAAAAAAAAAAAAAAAAAAAAAAAAAAAAAAAAAAAAAAAAAFAAAADwAAAAAAAAAAAAAAAAAAAkUAAAAAQAAABQAAAAUAAAAFAAAAAEAAAAAAAAAZAAAAGQAAAAAAAAAZAAAAGQAAAAVAAAAYAAAAAAAAAAAAAAADwAAACADAAAAAAAAAAAAAAEAAACgMgAAVgcAAKr4//8BAAAAf39/AAEAAABkAAAAAAAAABQAAABAHwAAAAAAACYAAAAAAAAAwOD//wAAAAAmAAAAZAAAABYAAABMAAAAAAAAAAAAAAAEAAAAAAAAAAEAAACAgIAKAAAAACgAAAAoAAAAZAAAAGQAAAAAAAAAzMzMAAAAAABQAAAAUAAAAGQAAABkAAAAAAAAAAcAAAA4AAAAAAAAAAAAAAAAAAAA////AAAAAAAAAAAAAAAAAAAAAAAAAAAAAAAAAAAAAABkAAAAZAAAAAAAAAAjAAAABAAAAGQAAAAXAAAAFAAAAAAAAAAAAAAA/38AAP9/AAAAAAAACQAAAAQAAAAAAAAADAAAABAAAAAAAAAAAAAAAAAAAAAAAAAAHgAAAGgAAAAAAAAAAAAAAAAAAAAAAAAAAAAAABAnAAAQJwAAAAAAAAAAAAAAAAAAAAAAAAAAAAAAAAAAAAAAAAAAAAAUAAAAAAAAAMDA/wAAAAAAZAAAADIAAAAAAAAAZAAAAAAAAAB/f38ACgAAAB8AAABUAAAAu+DjBf///wEAAAAAAAAAAAAAAAAAAAAAAAAAAAAAAAAAAAAAAAAAAAAAAAJ/f38AgICAA8zMzADAwP8Af39/AAAAAAAAAAAAAAAAAP///wAAAAAAIQAAABgAAAAUAAAAUwEAAAIPAADODAAAKRkAABAAAAAmAAAACAAAAP//////////"/>
               </a:ext>
             </a:extLst>
           </p:cNvPicPr>
@@ -4004,7 +4005,7 @@
             <a:picLocks noChangeAspect="1"/>
             <a:extLst>
               <a:ext uri="smNativeData">
-                <pr:smNativeData xmlns:pr="smNativeData" val="SMDATA_15_8OOwYxMAAAAlAAAAEQAAAC8BAAAAkAAAAEgAAACQAAAASAAAAAAAAAAAAAAAAAAAAAEAAABQAAAAAAAAAAAA4D8AAAAAAADgPwAAAAAAAOA/AAAAAAAA4D8AAAAAAADgPwAAAAAAAOA/AAAAAAAA4D8AAAAAAADgPwAAAAAAAOA/AAAAAAAA4D8CAAAAjAAAAAAAAAAAAAAAu+DjDP///wgAAAAAAAAAAAAAAAAAAAAAAAAAAAAAAAAAAAAAZAAAAAEAAABAAAAAAAAAAAAAAAAAAAAAAAAAAAAAAAAAAAAAAAAAAAAAAAAAAAAAAAAAAAAAAAAAAAAAAAAAAAAAAAAAAAAAAAAAAAAAAAAAAAAAAAAAAAAAAAAAAAAAFAAAADwAAAAAAAAAAAAAAAAAAAkUAAAAAQAAABQAAAAUAAAAFAAAAAEAAAAAAAAAZAAAAGQAAAAAAAAAZAAAAGQAAAAVAAAAYAAAAAAAAAAAAAAADwAAACADAAAAAAAAAAAAAAEAAACgMgAAVgcAAKr4//8BAAAAf39/AAEAAABkAAAAAAAAABQAAABAHwAAAAAAACYAAAAAAAAAwOD//wAAAAAmAAAAZAAAABYAAABMAAAAAAAAAAAAAAAEAAAAAAAAAAEAAACAgIAKAAAAACgAAAAoAAAAZAAAAGQAAAAAAAAAzMzMAAAAAABQAAAAUAAAAGQAAABkAAAAAAAAAAcAAAA4AAAAAAAAAAAAAAAAAAAA////AAAAAAAAAAAAAAAAAAAAAAAAAAAAAAAAAAAAAABkAAAAZAAAAAAAAAAjAAAABAAAAGQAAAAXAAAAFAAAAAAAAAAAAAAA/38AAP9/AAAAAAAACQAAAAQAAABEqHYJDAAAABAAAAAAAAAAAAAAAAAAAAAAAAAAHgAAAGgAAAAAAAAAAAAAAAAAAAAAAAAAAAAAABAnAAAQJwAAAAAAAAAAAAAAAAAAAAAAAAAAAAAAAAAAAAAAAAAAAAAUAAAAAAAAAMDA/wAAAAAAZAAAADIAAAAAAAAAZAAAAAAAAAB/f38ACgAAAB8AAABUAAAAu+DjBf///wEAAAAAAAAAAAAAAAAAAAAAAAAAAAAAAAAAAAAAAAAAAAAAAAJ/f38AgICAA8zMzADAwP8Af39/AAAAAAAAAAAAAAAAAP///wAAAAAAIQAAABgAAAAUAAAAiAMAABAHAADkLgAADBoAABAAAAAmAAAACAAAAP//////////"/>
+                <pr:smNativeData xmlns:pr="smNativeData" val="SMDATA_15_5C6yYxMAAAAlAAAAEQAAAC8BAAAAkAAAAEgAAACQAAAASAAAAAAAAAAAAAAAAAAAAAEAAABQAAAAAAAAAAAA4D8AAAAAAADgPwAAAAAAAOA/AAAAAAAA4D8AAAAAAADgPwAAAAAAAOA/AAAAAAAA4D8AAAAAAADgPwAAAAAAAOA/AAAAAAAA4D8CAAAAjAAAAAAAAAAAAAAAu+DjDP///wgAAAAAAAAAAAAAAAAAAAAAAAAAAAAAAAAAAAAAZAAAAAEAAABAAAAAAAAAAAAAAAAAAAAAAAAAAAAAAAAAAAAAAAAAAAAAAAAAAAAAAAAAAAAAAAAAAAAAAAAAAAAAAAAAAAAAAAAAAAAAAAAAAAAAAAAAAAAAAAAAAAAAFAAAADwAAAAAAAAAAAAAAAAAAAkUAAAAAQAAABQAAAAUAAAAFAAAAAEAAAAAAAAAZAAAAGQAAAAAAAAAZAAAAGQAAAAVAAAAYAAAAAAAAAAAAAAADwAAACADAAAAAAAAAAAAAAEAAACgMgAAVgcAAKr4//8BAAAAf39/AAEAAABkAAAAAAAAABQAAABAHwAAAAAAACYAAAAAAAAAwOD//wAAAAAmAAAAZAAAABYAAABMAAAAAAAAAAAAAAAEAAAAAAAAAAEAAACAgIAKAAAAACgAAAAoAAAAZAAAAGQAAAAAAAAAzMzMAAAAAABQAAAAUAAAAGQAAABkAAAAAAAAAAcAAAA4AAAAAAAAAAAAAAAAAAAA////AAAAAAAAAAAAAAAAAAAAAAAAAAAAAAAAAAAAAABkAAAAZAAAAAAAAAAjAAAABAAAAGQAAAAXAAAAFAAAAAAAAAAAAAAA/38AAP9/AAAAAAAACQAAAAQAAABEqHYJDAAAABAAAAAAAAAAAAAAAAAAAAAAAAAAHgAAAGgAAAAAAAAAAAAAAAAAAAAAAAAAAAAAABAnAAAQJwAAAAAAAAAAAAAAAAAAAAAAAAAAAAAAAAAAAAAAAAAAAAAUAAAAAAAAAMDA/wAAAAAAZAAAADIAAAAAAAAAZAAAAAAAAAB/f38ACgAAAB8AAABUAAAAu+DjBf///wEAAAAAAAAAAAAAAAAAAAAAAAAAAAAAAAAAAAAAAAAAAAAAAAJ/f38AgICAA8zMzADAwP8Af39/AAAAAAAAAAAAAAAAAP///wAAAAAAIQAAABgAAAAUAAAAiAMAABAHAADkLgAADBoAABAAAAAmAAAACAAAAP//////////"/>
               </a:ext>
             </a:extLst>
           </p:cNvPicPr>
@@ -4070,7 +4071,7 @@
             <a:picLocks noChangeAspect="1"/>
             <a:extLst>
               <a:ext uri="smNativeData">
-                <pr:smNativeData xmlns:pr="smNativeData" val="SMDATA_15_8OOwYxMAAAAlAAAAEQAAAC8BAAAAkAAAAEgAAACQAAAASAAAAAAAAAAAAAAAAAAAAAEAAABQAAAAAAAAAAAA4D8AAAAAAADgPwAAAAAAAOA/AAAAAAAA4D8AAAAAAADgPwAAAAAAAOA/AAAAAAAA4D8AAAAAAADgPwAAAAAAAOA/AAAAAAAA4D8CAAAAjAAAAAAAAAAAAAAAu+DjDP///wgAAAAAAAAAAAAAAAAAAAAAAAAAAAAAAAAAAAAAZAAAAAEAAABAAAAAAAAAAAAAAAAAAAAAAAAAAAAAAAAAAAAAAAAAAAAAAAAAAAAAAAAAAAAAAAAAAAAAAAAAAAAAAAAAAAAAAAAAAAAAAAAAAAAAAAAAAAAAAAAAAAAAFAAAADwAAAAAAAAAAAAAAAAAAAkUAAAAAQAAABQAAAAUAAAAFAAAAAEAAAAAAAAAZAAAAGQAAAAAAAAAZAAAAGQAAAAVAAAAYAAAAAAAAAAAAAAADwAAACADAAAAAAAAAAAAAAEAAACgMgAAVgcAAKr4//8BAAAAf39/AAEAAABkAAAAAAAAABQAAABAHwAAAAAAACYAAAAAAAAAwOD//wAAAAAmAAAAZAAAABYAAABMAAAAAAAAAAAAAAAEAAAAAAAAAAEAAACAgIAKAAAAACgAAAAoAAAAZAAAAGQAAAAAAAAAzMzMAAAAAABQAAAAUAAAAGQAAABkAAAAAAAAAAcAAAA4AAAAAAAAAAAAAAAAAAAA////AAAAAAAAAAAAAAAAAAAAAAAAAAAAAAAAAAAAAABkAAAAZAAAAAAAAAAjAAAABAAAAGQAAAAXAAAAFAAAAAAAAAAAAAAA/38AAP9/AAAAAAAACQAAAAQAAADAAxAADAAAABAAAAAAAAAAAAAAAAAAAAAAAAAAHgAAAGgAAAAAAAAAAAAAAAAAAAAAAAAAAAAAABAnAAAQJwAAAAAAAAAAAAAAAAAAAAAAAAAAAAAAAAAAAAAAAAAAAAAUAAAAAAAAAMDA/wAAAAAAZAAAADIAAAAAAAAAZAAAAAAAAAB/f38ACgAAAB8AAABUAAAAu+DjBf///wEAAAAAAAAAAAAAAAAAAAAAAAAAAAAAAAAAAAAAAAAAAAAAAAJ/f38AgICAA8zMzADAwP8Af39/AAAAAAAAAAAAAAAAAP///wAAAAAAIQAAABgAAAAUAAAAJwQAAJgKAADtGgAArhkAABAAAAAmAAAACAAAAP//////////"/>
+                <pr:smNativeData xmlns:pr="smNativeData" val="SMDATA_15_5C6yYxMAAAAlAAAAEQAAAC8BAAAAkAAAAEgAAACQAAAASAAAAAAAAAAAAAAAAAAAAAEAAABQAAAAAAAAAAAA4D8AAAAAAADgPwAAAAAAAOA/AAAAAAAA4D8AAAAAAADgPwAAAAAAAOA/AAAAAAAA4D8AAAAAAADgPwAAAAAAAOA/AAAAAAAA4D8CAAAAjAAAAAAAAAAAAAAAu+DjDP///wgAAAAAAAAAAAAAAAAAAAAAAAAAAAAAAAAAAAAAZAAAAAEAAABAAAAAAAAAAAAAAAAAAAAAAAAAAAAAAAAAAAAAAAAAAAAAAAAAAAAAAAAAAAAAAAAAAAAAAAAAAAAAAAAAAAAAAAAAAAAAAAAAAAAAAAAAAAAAAAAAAAAAFAAAADwAAAAAAAAAAAAAAAAAAAkUAAAAAQAAABQAAAAUAAAAFAAAAAEAAAAAAAAAZAAAAGQAAAAAAAAAZAAAAGQAAAAVAAAAYAAAAAAAAAAAAAAADwAAACADAAAAAAAAAAAAAAEAAACgMgAAVgcAAKr4//8BAAAAf39/AAEAAABkAAAAAAAAABQAAABAHwAAAAAAACYAAAAAAAAAwOD//wAAAAAmAAAAZAAAABYAAABMAAAAAAAAAAAAAAAEAAAAAAAAAAEAAACAgIAKAAAAACgAAAAoAAAAZAAAAGQAAAAAAAAAzMzMAAAAAABQAAAAUAAAAGQAAABkAAAAAAAAAAcAAAA4AAAAAAAAAAAAAAAAAAAA////AAAAAAAAAAAAAAAAAAAAAAAAAAAAAAAAAAAAAABkAAAAZAAAAAAAAAAjAAAABAAAAGQAAAAXAAAAFAAAAAAAAAAAAAAA/38AAP9/AAAAAAAACQAAAAQAAADAAxAADAAAABAAAAAAAAAAAAAAAAAAAAAAAAAAHgAAAGgAAAAAAAAAAAAAAAAAAAAAAAAAAAAAABAnAAAQJwAAAAAAAAAAAAAAAAAAAAAAAAAAAAAAAAAAAAAAAAAAAAAUAAAAAAAAAMDA/wAAAAAAZAAAADIAAAAAAAAAZAAAAAAAAAB/f38ACgAAAB8AAABUAAAAu+DjBf///wEAAAAAAAAAAAAAAAAAAAAAAAAAAAAAAAAAAAAAAAAAAAAAAAJ/f38AgICAA8zMzADAwP8Af39/AAAAAAAAAAAAAAAAAP///wAAAAAAIQAAABgAAAAUAAAAJwQAAJgKAADtGgAArhkAABAAAAAmAAAACAAAAP//////////"/>
               </a:ext>
             </a:extLst>
           </p:cNvPicPr>
@@ -4104,7 +4105,7 @@
             <a:picLocks noChangeAspect="1"/>
             <a:extLst>
               <a:ext uri="smNativeData">
-                <pr:smNativeData xmlns:pr="smNativeData" val="SMDATA_15_8OOwYxMAAAAlAAAAEQAAAC8BAAAAkAAAAEgAAACQAAAASAAAAAAAAAAAAAAAAAAAAAEAAABQAAAAAAAAAAAA4D8AAAAAAADgPwAAAAAAAOA/AAAAAAAA4D8AAAAAAADgPwAAAAAAAOA/AAAAAAAA4D8AAAAAAADgPwAAAAAAAOA/AAAAAAAA4D8CAAAAjAAAAAAAAAAAAAAAu+DjDP///wgAAAAAAAAAAAAAAAAAAAAAAAAAAAAAAAAAAAAAZAAAAAEAAABAAAAAAAAAAAAAAAAAAAAAAAAAAAAAAAAAAAAAAAAAAAAAAAAAAAAAAAAAAAAAAAAAAAAAAAAAAAAAAAAAAAAAAAAAAAAAAAAAAAAAAAAAAAAAAAAAAAAAFAAAADwAAAAAAAAAAAAAAAAAAAkUAAAAAQAAABQAAAAUAAAAFAAAAAEAAAAAAAAAZAAAAGQAAAAAAAAAZAAAAGQAAAAVAAAAYAAAAAAAAAAAAAAADwAAACADAAAAAAAAAAAAAAEAAACgMgAAVgcAAKr4//8BAAAAf39/AAEAAABkAAAAAAAAABQAAABAHwAAAAAAACYAAAAAAAAAwOD//wAAAAAmAAAAZAAAABYAAABMAAAAAAAAAAAAAAAEAAAAAAAAAAEAAACAgIAKAAAAACgAAAAoAAAAZAAAAGQAAAAAAAAAzMzMAAAAAABQAAAAUAAAAGQAAABkAAAAAAAAAAcAAAA4AAAAAAAAAAAAAAAAAAAA////AAAAAAAAAAAAAAAAAAAAAAAAAAAAAAAAAAAAAABkAAAAZAAAAAAAAAAjAAAABAAAAGQAAAAXAAAAFAAAAAAAAAAAAAAA/38AAP9/AAAAAAAACQAAAAQAAAB8Yu0LDAAAABAAAAAAAAAAAAAAAAAAAAAAAAAAHgAAAGgAAAAAAAAAAAAAAAAAAAAAAAAAAAAAABAnAAAQJwAAAAAAAAAAAAAAAAAAAAAAAAAAAAAAAAAAAAAAAAAAAAAUAAAAAAAAAMDA/wAAAAAAZAAAADIAAAAAAAAAZAAAAAAAAAB/f38ACgAAAB8AAABUAAAAu+DjBf///wEAAAAAAAAAAAAAAAAAAAAAAAAAAAAAAAAAAAAAAAAAAAAAAAJ/f38AgICAA8zMzADAwP8Af39/AAAAAAAAAAAAAAAAAP///wAAAAAAIQAAABgAAAAUAAAA3B4AAJgKAACkLQAAmhkAABAAAAAmAAAACAAAAP//////////"/>
+                <pr:smNativeData xmlns:pr="smNativeData" val="SMDATA_15_5C6yYxMAAAAlAAAAEQAAAC8BAAAAkAAAAEgAAACQAAAASAAAAAAAAAAAAAAAAAAAAAEAAABQAAAAAAAAAAAA4D8AAAAAAADgPwAAAAAAAOA/AAAAAAAA4D8AAAAAAADgPwAAAAAAAOA/AAAAAAAA4D8AAAAAAADgPwAAAAAAAOA/AAAAAAAA4D8CAAAAjAAAAAAAAAAAAAAAu+DjDP///wgAAAAAAAAAAAAAAAAAAAAAAAAAAAAAAAAAAAAAZAAAAAEAAABAAAAAAAAAAAAAAAAAAAAAAAAAAAAAAAAAAAAAAAAAAAAAAAAAAAAAAAAAAAAAAAAAAAAAAAAAAAAAAAAAAAAAAAAAAAAAAAAAAAAAAAAAAAAAAAAAAAAAFAAAADwAAAAAAAAAAAAAAAAAAAkUAAAAAQAAABQAAAAUAAAAFAAAAAEAAAAAAAAAZAAAAGQAAAAAAAAAZAAAAGQAAAAVAAAAYAAAAAAAAAAAAAAADwAAACADAAAAAAAAAAAAAAEAAACgMgAAVgcAAKr4//8BAAAAf39/AAEAAABkAAAAAAAAABQAAABAHwAAAAAAACYAAAAAAAAAwOD//wAAAAAmAAAAZAAAABYAAABMAAAAAAAAAAAAAAAEAAAAAAAAAAEAAACAgIAKAAAAACgAAAAoAAAAZAAAAGQAAAAAAAAAzMzMAAAAAABQAAAAUAAAAGQAAABkAAAAAAAAAAcAAAA4AAAAAAAAAAAAAAAAAAAA////AAAAAAAAAAAAAAAAAAAAAAAAAAAAAAAAAAAAAABkAAAAZAAAAAAAAAAjAAAABAAAAGQAAAAXAAAAFAAAAAAAAAAAAAAA/38AAP9/AAAAAAAACQAAAAQAAAB8Yu0LDAAAABAAAAAAAAAAAAAAAAAAAAAAAAAAHgAAAGgAAAAAAAAAAAAAAAAAAAAAAAAAAAAAABAnAAAQJwAAAAAAAAAAAAAAAAAAAAAAAAAAAAAAAAAAAAAAAAAAAAAUAAAAAAAAAMDA/wAAAAAAZAAAADIAAAAAAAAAZAAAAAAAAAB/f38ACgAAAB8AAABUAAAAu+DjBf///wEAAAAAAAAAAAAAAAAAAAAAAAAAAAAAAAAAAAAAAAAAAAAAAAJ/f38AgICAA8zMzADAwP8Af39/AAAAAAAAAAAAAAAAAP///wAAAAAAIQAAABgAAAAUAAAA3B4AAJgKAACkLQAAmhkAABAAAAAmAAAACAAAAP//////////"/>
               </a:ext>
             </a:extLst>
           </p:cNvPicPr>
@@ -4137,7 +4138,7 @@
           <p:cNvSpPr>
             <a:extLst>
               <a:ext uri="smNativeData">
-                <pr:smNativeData xmlns:pr="smNativeData" val="SMDATA_13_8OOwYxMAAAAlAAAA2AAAAA8BAAAAkAAAAEgAAACQAAAASAAAAAAAAAAAAAAAAAAAAAEAAABQAAAAAAAAAAAA4D8AAAAAAADgPwAAAAAAAOA/AAAAAAAA4D8AAAAAAADgPwAAAAAAAOA/AAAAAAAA4D8AAAAAAADgPwAAAAAAAOA/AAAAAAAA4D8CAAAAjAAAAAEAAAAAAAAAs7OzAP///wgAAAAAAAAAAAAAAAAAAAAAAAAAAAAAAAAAAAAAZAAAAAEAAABAAAAAAAAAAAAAAAAAAAAAAAAAAAAAAAAAAAAAAAAAAAAAAAAAAAAAAAAAAAAAAAAAAAAAAAAAAAAAAAAAAAAAAAAAAAAAAAAAAAAAAAAAAAAAAAAAAAAAFAAAADwAAAABAAAAAAAAAAAAAAkUAAAAAQAAABQAAAAUAAAAFAAAAAEAAAAAAAAAZAAAAGQAAAAAAAAAZAAAAGQAAAAVAAAAYAAAAAAAAAAAAAAADwAAACADAAAAAAAAAAAAAAEAAACgMgAAVgcAAKr4//8BAAAAf39/AAEAAABkAAAAAAAAABQAAABAHwAAAAAAACYAAAAAAAAAwOD//wAAAAAmAAAAZAAAABYAAABMAAAAAAAAAAAAAAAEAAAAAAAAAAEAAACAgIAKAAAAACgAAAAoAAAAZAAAAGQAAAAAAAAAzMzMAAAAAABQAAAAUAAAAGQAAABkAAAAAAAAABcAAAAUAAAAAAAAAAAAAAD/fwAA/38AAAAAAAAJAAAABAAAAFNQSU4MAAAAEAAAAAAAAAAAAAAAAAAAAAAAAAAeAAAAaAAAAAAAAAAAAAAAAAAAAAAAAAAAAAAAECcAABAnAAAAAAAAAAAAAAAAAAAAAAAAAAAAAAAAAAAAAAAAAAAAABQAAAAAAAAAwMD/AAAAAABkAAAAMgAAAAAAAABkAAAAAAAAAH9/fwAKAAAAHwAAAFQAAACzs7MA////AQAAAAAAAAAAAAAAAAAAAAAAAAAAAAAAAAAAAAAAAAAAAAAAAn9/fwCAgIADzMzMAMDA/wB/f38AAAAAAAAAAAAAAAAAAAAAAAAAAAAhAAAAGAAAABQAAAB8GgAANxEAAHUeAAD7EgAAEAAAACYAAAAIAAAA//////////8="/>
+                <pr:smNativeData xmlns:pr="smNativeData" val="SMDATA_13_5C6yYxMAAAAlAAAA2AAAAA8BAAAAkAAAAEgAAACQAAAASAAAAAAAAAAAAAAAAAAAAAEAAABQAAAAAAAAAAAA4D8AAAAAAADgPwAAAAAAAOA/AAAAAAAA4D8AAAAAAADgPwAAAAAAAOA/AAAAAAAA4D8AAAAAAADgPwAAAAAAAOA/AAAAAAAA4D8CAAAAjAAAAAEAAAAAAAAAs7OzAP///wgAAAAAAAAAAAAAAAAAAAAAAAAAAAAAAAAAAAAAZAAAAAEAAABAAAAAAAAAAAAAAAAAAAAAAAAAAAAAAAAAAAAAAAAAAAAAAAAAAAAAAAAAAAAAAAAAAAAAAAAAAAAAAAAAAAAAAAAAAAAAAAAAAAAAAAAAAAAAAAAAAAAAFAAAADwAAAABAAAAAAAAAAAAAAkUAAAAAQAAABQAAAAUAAAAFAAAAAEAAAAAAAAAZAAAAGQAAAAAAAAAZAAAAGQAAAAVAAAAYAAAAAAAAAAAAAAADwAAACADAAAAAAAAAAAAAAEAAACgMgAAVgcAAKr4//8BAAAAf39/AAEAAABkAAAAAAAAABQAAABAHwAAAAAAACYAAAAAAAAAwOD//wAAAAAmAAAAZAAAABYAAABMAAAAAAAAAAAAAAAEAAAAAAAAAAEAAACAgIAKAAAAACgAAAAoAAAAZAAAAGQAAAAAAAAAzMzMAAAAAABQAAAAUAAAAGQAAABkAAAAAAAAABcAAAAUAAAAAAAAAAAAAAD/fwAA/38AAAAAAAAJAAAABAAAAFNQSU4MAAAAEAAAAAAAAAAAAAAAAAAAAAAAAAAeAAAAaAAAAAAAAAAAAAAAAAAAAAAAAAAAAAAAECcAABAnAAAAAAAAAAAAAAAAAAAAAAAAAAAAAAAAAAAAAAAAAAAAABQAAAAAAAAAwMD/AAAAAABkAAAAMgAAAAAAAABkAAAAAAAAAH9/fwAKAAAAHwAAAFQAAACzs7MA////AQAAAAAAAAAAAAAAAAAAAAAAAAAAAAAAAAAAAAAAAAAAAAAAAn9/fwCAgIADzMzMAMDA/wB/f38AAAAAAAAAAAAAAAAAAAAAAAAAAAAhAAAAGAAAABQAAAB8GgAANxEAAHUeAAD7EgAAEAAAACYAAAAIAAAA//////////8="/>
               </a:ext>
             </a:extLst>
           </p:cNvSpPr>
@@ -4207,7 +4208,7 @@
             <a:picLocks noChangeAspect="1"/>
             <a:extLst>
               <a:ext uri="smNativeData">
-                <pr:smNativeData xmlns:pr="smNativeData" val="SMDATA_15_8OOwYxMAAAAlAAAAEQAAAC8BAAAAkAAAAEgAAACQAAAASAAAAAAAAAAAAAAAAAAAAAEAAABQAAAAAAAAAAAA4D8AAAAAAADgPwAAAAAAAOA/AAAAAAAA4D8AAAAAAADgPwAAAAAAAOA/AAAAAAAA4D8AAAAAAADgPwAAAAAAAOA/AAAAAAAA4D8CAAAAjAAAAAAAAAAAAAAAu+DjDP///wgAAAAAAAAAAAAAAAAAAAAAAAAAAAAAAAAAAAAAZAAAAAEAAABAAAAAAAAAAAAAAAAAAAAAAAAAAAAAAAAAAAAAAAAAAAAAAAAAAAAAAAAAAAAAAAAAAAAAAAAAAAAAAAAAAAAAAAAAAAAAAAAAAAAAAAAAAAAAAAAAAAAAFAAAADwAAAAAAAAAAAAAAAAAAAkUAAAAAQAAABQAAAAUAAAAFAAAAAEAAAAAAAAAZAAAAGQAAAAAAAAAZAAAAGQAAAAVAAAAYAAAAAAAAAAAAAAADwAAACADAAAAAAAAAAAAAAEAAACgMgAAVgcAAKr4//8BAAAAf39/AAEAAABkAAAAAAAAABQAAABAHwAAAAAAACYAAAAAAAAAwOD//wAAAAAmAAAAZAAAABYAAABMAAAAAAAAAAAAAAAEAAAAAAAAAAEAAACAgIAKAAAAACgAAAAoAAAAZAAAAGQAAAAAAAAAzMzMAAAAAABQAAAAUAAAAGQAAABkAAAAAAAAAAcAAAA4AAAAAAAAAAAAAAAAAAAA////AAAAAAAAAAAAAAAAAAAAAAAAAAAAAAAAAAAAAABkAAAAZAAAAAAAAAAjAAAABAAAAGQAAAAXAAAAFAAAAAAAAAAAAAAA/38AAP9/AAAAAAAACQAAAAQAAAAAAAAADAAAABAAAAAAAAAAAAAAAAAAAAAAAAAAHgAAAGgAAAAAAAAAAAAAAAAAAAAAAAAAAAAAABAnAAAQJwAAAAAAAAAAAAAAAAAAAAAAAAAAAAAAAAAAAAAAAAAAAAAUAAAAAAAAAMDA/wAAAAAAZAAAADIAAAAAAAAAZAAAAAAAAAB/f38ACgAAAB8AAABUAAAAu+DjBf///wEAAAAAAAAAAAAAAAAAAAAAAAAAAAAAAAAAAAAAAAAAAAAAAAJ/f38AgICAA8zMzADAwP8Af39/AAAAAAAAAAAAAAAAAP///wAAAAAAIQAAABgAAAAUAAAAagQAAMYKAACWMgAAuBgAAAAAAAAmAAAACAAAAP//////////"/>
+                <pr:smNativeData xmlns:pr="smNativeData" val="SMDATA_15_5C6yYxMAAAAlAAAAEQAAAC8BAAAAkAAAAEgAAACQAAAASAAAAAAAAAAAAAAAAAAAAAEAAABQAAAAAAAAAAAA4D8AAAAAAADgPwAAAAAAAOA/AAAAAAAA4D8AAAAAAADgPwAAAAAAAOA/AAAAAAAA4D8AAAAAAADgPwAAAAAAAOA/AAAAAAAA4D8CAAAAjAAAAAAAAAAAAAAAu+DjDP///wgAAAAAAAAAAAAAAAAAAAAAAAAAAAAAAAAAAAAAZAAAAAEAAABAAAAAAAAAAAAAAAAAAAAAAAAAAAAAAAAAAAAAAAAAAAAAAAAAAAAAAAAAAAAAAAAAAAAAAAAAAAAAAAAAAAAAAAAAAAAAAAAAAAAAAAAAAAAAAAAAAAAAFAAAADwAAAAAAAAAAAAAAAAAAAkUAAAAAQAAABQAAAAUAAAAFAAAAAEAAAAAAAAAZAAAAGQAAAAAAAAAZAAAAGQAAAAVAAAAYAAAAAAAAAAAAAAADwAAACADAAAAAAAAAAAAAAEAAACgMgAAVgcAAKr4//8BAAAAf39/AAEAAABkAAAAAAAAABQAAABAHwAAAAAAACYAAAAAAAAAwOD//wAAAAAmAAAAZAAAABYAAABMAAAAAAAAAAAAAAAEAAAAAAAAAAEAAACAgIAKAAAAACgAAAAoAAAAZAAAAGQAAAAAAAAAzMzMAAAAAABQAAAAUAAAAGQAAABkAAAAAAAAAAcAAAA4AAAAAAAAAAAAAAAAAAAA////AAAAAAAAAAAAAAAAAAAAAAAAAAAAAAAAAAAAAABkAAAAZAAAAAAAAAAjAAAABAAAAGQAAAAXAAAAFAAAAAAAAAAAAAAA/38AAP9/AAAAAAAACQAAAAQAAAAAAAAADAAAABAAAAAAAAAAAAAAAAAAAAAAAAAAHgAAAGgAAAAAAAAAAAAAAAAAAAAAAAAAAAAAABAnAAAQJwAAAAAAAAAAAAAAAAAAAAAAAAAAAAAAAAAAAAAAAAAAAAAUAAAAAAAAAMDA/wAAAAAAZAAAADIAAAAAAAAAZAAAAAAAAAB/f38ACgAAAB8AAABUAAAAu+DjBf///wEAAAAAAAAAAAAAAAAAAAAAAAAAAAAAAAAAAAAAAAAAAAAAAAJ/f38AgICAA8zMzADAwP8Af39/AAAAAAAAAAAAAAAAAP///wAAAAAAIQAAABgAAAAUAAAAagQAAMYKAACWMgAAuBgAABAAAAAmAAAACAAAAP//////////"/>
               </a:ext>
             </a:extLst>
           </p:cNvPicPr>
@@ -4223,6 +4224,209 @@
           <a:xfrm>
             <a:off x="717550" y="1751330"/>
             <a:ext cx="7505700" cy="2266950"/>
+          </a:xfrm>
+          <a:prstGeom prst="rect">
+            <a:avLst/>
+          </a:prstGeom>
+          <a:noFill/>
+          <a:ln>
+            <a:noFill/>
+          </a:ln>
+          <a:effectLst/>
+        </p:spPr>
+      </p:pic>
+    </p:spTree>
+  </p:cSld>
+  <p:clrMapOvr>
+    <a:masterClrMapping/>
+  </p:clrMapOvr>
+  <p:timing>
+    <p:tnLst>
+      <p:par>
+        <p:cTn id="1" dur="indefinite" restart="never" nodeType="tmRoot"/>
+      </p:par>
+    </p:tnLst>
+  </p:timing>
+</p:sld>
+</file>
+
+<file path=ppt/slides/slide6.xml><?xml version="1.0" encoding="utf-8"?>
+<p:sld xmlns:p="http://schemas.openxmlformats.org/presentationml/2006/main" xmlns:p14="http://schemas.microsoft.com/office/powerpoint/2010/main" xmlns:r="http://schemas.openxmlformats.org/officeDocument/2006/relationships" xmlns:a="http://schemas.openxmlformats.org/drawingml/2006/main">
+  <p:cSld>
+    <p:spTree>
+      <p:nvGrpSpPr>
+        <p:cNvPr id="1" name=""/>
+        <p:cNvGrpSpPr/>
+        <p:nvPr/>
+      </p:nvGrpSpPr>
+      <p:grpSpPr>
+        <a:xfrm>
+          <a:off x="0" y="0"/>
+          <a:ext cx="0" cy="0"/>
+          <a:chOff x="0" y="0"/>
+          <a:chExt cx="0" cy="0"/>
+        </a:xfrm>
+      </p:grpSpPr>
+      <p:pic>
+        <p:nvPicPr>
+          <p:cNvPr id="2" name="Picture1"/>
+          <p:cNvPicPr>
+            <a:picLocks noChangeAspect="1"/>
+            <a:extLst>
+              <a:ext uri="smNativeData">
+                <pr:smNativeData xmlns:pr="smNativeData" val="SMDATA_15_5C6yYxMAAAAlAAAAEQAAAC8BAAAAkAAAAEgAAACQAAAASAAAAAAAAAAAAAAAAAAAAAEAAABQAAAAAAAAAAAA4D8AAAAAAADgPwAAAAAAAOA/AAAAAAAA4D8AAAAAAADgPwAAAAAAAOA/AAAAAAAA4D8AAAAAAADgPwAAAAAAAOA/AAAAAAAA4D8CAAAAjAAAAAAAAAAAAAAAu+DjDP///wgAAAAAAAAAAAAAAAAAAAAAAAAAAAAAAAAAAAAAZAAAAAEAAABAAAAAAAAAAAAAAAAAAAAAAAAAAAAAAAAAAAAAAAAAAAAAAAAAAAAAAAAAAAAAAAAAAAAAAAAAAAAAAAAAAAAAAAAAAAAAAAAAAAAAAAAAAAAAAAAAAAAAFAAAADwAAAAAAAAAAAAAAAAAAAkUAAAAAQAAABQAAAAUAAAAFAAAAAEAAAAAAAAAZAAAAGQAAAAAAAAAZAAAAGQAAAAVAAAAYAAAAAAAAAAAAAAADwAAACADAAAAAAAAAAAAAAEAAACgMgAAVgcAAKr4//8BAAAAf39/AAEAAABkAAAAAAAAABQAAABAHwAAAAAAACYAAAAAAAAAwOD//wAAAAAmAAAAZAAAABYAAABMAAAAAAAAAAAAAAAEAAAAAAAAAAEAAACAgIAKAAAAACgAAAAoAAAAZAAAAGQAAAAAAAAAzMzMAAAAAABQAAAAUAAAAGQAAABkAAAAAAAAAAcAAAA4AAAAAAAAAAAAAAAAAAAA////AAAAAAAAAAAAAAAAAAAAAAAAAAAAAAAAAAAAAABkAAAAZAAAAAAAAAAjAAAABAAAAGQAAAAXAAAAFAAAAAAAAAAAAAAA/38AAP9/AAAAAAAACQAAAAQAAADwBgoADAAAABAAAAAAAAAAAAAAAAAAAAAAAAAAHgAAAGgAAAAAAAAAAAAAAAAAAAAAAAAAAAAAABAnAAAQJwAAAAAAAAAAAAAAAAAAAAAAAAAAAAAAAAAAAAAAAAAAAAAUAAAAAAAAAMDA/wAAAAAAZAAAADIAAAAAAAAAZAAAAAAAAAB/f38ACgAAAB8AAABUAAAAu+DjBf///wEAAAAAAAAAAAAAAAAAAAAAAAAAAAAAAAAAAAAAAAAAAAAAAAJ/f38AgICAA8zMzADAwP8Af39/AAAAAAAAAAAAAAAAAP///wAAAAAAIQAAABgAAAAUAAAALgYAAPUGAAC4NAAARxgAAAAAAAAmAAAACAAAAP//////////"/>
+              </a:ext>
+            </a:extLst>
+          </p:cNvPicPr>
+          <p:nvPr/>
+        </p:nvPicPr>
+        <p:blipFill>
+          <a:blip r:embed="rId2"/>
+          <a:stretch>
+            <a:fillRect/>
+          </a:stretch>
+        </p:blipFill>
+        <p:spPr>
+          <a:xfrm>
+            <a:off x="1004570" y="1130935"/>
+            <a:ext cx="7565390" cy="2815590"/>
+          </a:xfrm>
+          <a:prstGeom prst="rect">
+            <a:avLst/>
+          </a:prstGeom>
+          <a:noFill/>
+          <a:ln>
+            <a:noFill/>
+          </a:ln>
+          <a:effectLst/>
+        </p:spPr>
+      </p:pic>
+      <p:sp>
+        <p:nvSpPr>
+          <p:cNvPr id="3" name="Rectangle1"/>
+          <p:cNvSpPr>
+            <a:extLst>
+              <a:ext uri="smNativeData">
+                <pr:smNativeData xmlns:pr="smNativeData" val="SMDATA_13_5C6yYxMAAAAlAAAAZAAAAA8BAAAAkAAAAEgAAACQAAAASAAAAAAAAAAAAAAAAAAAAAEAAABQAAAAAAAAAAAA4D8AAAAAAADgPwAAAAAAAOA/AAAAAAAA4D8AAAAAAADgPwAAAAAAAOA/AAAAAAAA4D8AAAAAAADgPwAAAAAAAOA/AAAAAAAA4D8CAAAAjAAAAAEAAAAAAAAA////CP///wgAAAAAAAAAAAAAAAAAAAAAAAAAAAAAAAAAAAAAZAAAAAEAAABAAAAAAAAAAAAAAAAAAAAAAAAAAAAAAAAAAAAAAAAAAAAAAAAAAAAAAAAAAAAAAAAAAAAAAAAAAAAAAAAAAAAAAAAAAAAAAAAAAAAAAAAAAAAAAAAAAAAAFAAAADwAAAAAAAAAAAAAAAAAAAkAAAAAAQAAAAAAAAAAAAAAAAAAAAAAAAAAAAAAZAAAAGQAAAAAAAAAZAAAAGQAAAAVAAAAYAAAAAAAAAAAAAAADwAAACADAAAAAAAAAAAAAAEAAACgMgAAAAAAAAAAAAABAAAAf39/AAEAAABkAAAAAAAAABQAAABAHwAAAAAAACYAAAAAAAAAwOD//wAAAAAmAAAAZAAAABYAAABMAAAAAAAAAAAAAAAEAAAAAAAAAAEAAACAgIAKAAAAACgAAAAoAAAAZAAAAGQAAAAAAAAAzMzMAAAAAABQAAAAUAAAAGQAAABkAAAAAAAAABcAAAAUAAAAAAAAAAAAAAD/fwAA/38AAAAAAAAJAAAABAAAAAAAAQAMAAAAEAAAAAAAAAAAAAAAAAAAAAAAAAAeAAAAaAAAAAAAAAAAAAAAAAAAAAAAAAAAAAAAECcAABAnAAAAAAAAAAAAAAAAAAAAAAAAAAAAAAAAAAAAAAAAAAAAABQAAAAAAAAAwMD/AAAAAABkAAAAMgAAAAAAAABkAAAAAAAAAH9/fwAKAAAAHwAAAFQAAAD///8B////AQAAAAAAAAAAAAAAAAAAAAAAAAAAAAAAAAAAAAAAAAAAAAAAAn9/fwCAgIADzMzMAMDA/wB/f38AAAAAAAAAAAAAAAAAAAAAAAAAAAAhAAAAGAAAABQAAAAZEgAAvQUAAA84AABeGwAAAAAAACYAAAAIAAAA//////////8="/>
+              </a:ext>
+            </a:extLst>
+          </p:cNvSpPr>
+          <p:nvPr/>
+        </p:nvSpPr>
+        <p:spPr>
+          <a:xfrm>
+            <a:off x="2941955" y="932815"/>
+            <a:ext cx="6170930" cy="3515995"/>
+          </a:xfrm>
+          <a:prstGeom prst="rect">
+            <a:avLst/>
+          </a:prstGeom>
+          <a:solidFill>
+            <a:schemeClr val="bg1"/>
+          </a:solidFill>
+          <a:ln>
+            <a:noFill/>
+          </a:ln>
+          <a:effectLst/>
+        </p:spPr>
+      </p:sp>
+      <p:sp>
+        <p:nvSpPr>
+          <p:cNvPr id="4" name="Textbox1"/>
+          <p:cNvSpPr txBox="1">
+            <a:extLst>
+              <a:ext uri="smNativeData">
+                <pr:smNativeData xmlns:pr="smNativeData" val="SMDATA_13_5C6yYxMAAAAlAAAAEgAAAA8BAAAAkAAAAEgAAACQAAAASAAAAAAAAAAAAAAAAAAAAAEAAABQAAAAAAAAAAAA4D8AAAAAAADgPwAAAAAAAOA/AAAAAAAA4D8AAAAAAADgPwAAAAAAAOA/AAAAAAAA4D8AAAAAAADgPwAAAAAAAOA/AAAAAAAA4D8CAAAAjAAAAAAAAAAAAAAAu+DjDP///wgAAAAAAAAAAAAAAAAAAAAAAAAAAAAAAAAAAAAAZAAAAAEAAABAAAAAAAAAAAAAAAAAAAAAAAAAAAAAAAAAAAAAAAAAAAAAAAAAAAAAAAAAAAAAAAAAAAAAAAAAAAAAAAAAAAAAAAAAAAAAAAAAAAAAAAAAAAAAAAAAAAAAFAAAADwAAAAAAAAAAAAAAAAAAAkUAAAAAQAAABQAAAAUAAAAFAAAAAEAAAAAAAAAZAAAAGQAAAAAAAAAZAAAAGQAAAAVAAAAYAAAAAAAAAAAAAAADwAAACADAAAAAAAAAAAAAAEAAACgMgAAVgcAAKr4//8BAAAAf39/AAEAAABkAAAAAAAAABQAAABAHwAAAAAAACYAAAAAAAAAwOD//wAAAAAmAAAAZAAAABYAAABMAAAAAAAAAAAAAAAEAAAAAAAAAAEAAACAgIAKAAAAACgAAAAoAAAAZAAAAGQAAAAAAAAAzMzMAAAAAABQAAAAUAAAAGQAAABkAAAAAAAAABcAAAAUAAAAAAAAAAAAAAD/fwAA/38AAAAAAAAJAAAABAAAAPBJ/AYMAAAAEAAAAAAAAAAAAAAAAAAAAAAAAAAeAAAAaAAAAAAAAAAAAAAAAAAAAAAAAAAAAAAAECcAABAnAAAAAAAAAAAAAAAAAAAAAAAAAAAAAAAAAAAAAAAAAAAAABQAAAAAAAAAwMD/AAAAAABkAAAAMgAAAAAAAABkAAAAAAAAAH9/fwAKAAAAHwAAAFQAAAC74OMF////AQAAAAAAAAAAAAAAAAAAAAAAAAAAAAAAAAAAAAAAAAAAAAAAAn9/fwCAgIADzMzMAMDA/wB/f38AAAAAAAAAAAAAAAAAAAAAAAAAAAAhAAAAGAAAABQAAABKFwAA/hMAAAYhAAA+FgAAAAAAACYAAAAIAAAA//////////8="/>
+              </a:ext>
+            </a:extLst>
+          </p:cNvSpPr>
+          <p:nvPr/>
+        </p:nvSpPr>
+        <p:spPr>
+          <a:xfrm>
+            <a:off x="3785870" y="3249930"/>
+            <a:ext cx="1582420" cy="365760"/>
+          </a:xfrm>
+          <a:prstGeom prst="rect">
+            <a:avLst/>
+          </a:prstGeom>
+          <a:noFill/>
+          <a:ln>
+            <a:noFill/>
+          </a:ln>
+          <a:effectLst/>
+        </p:spPr>
+        <p:txBody>
+          <a:bodyPr vert="horz" wrap="square" numCol="1" spcCol="215900" anchor="t"/>
+          <a:lstStyle/>
+          <a:p>
+            <a:pPr/>
+            <a:r>
+              <a:t>if and only if</a:t>
+            </a:r>
+          </a:p>
+        </p:txBody>
+      </p:sp>
+      <p:sp>
+        <p:nvSpPr>
+          <p:cNvPr id="5" name="Textbox2"/>
+          <p:cNvSpPr txBox="1">
+            <a:extLst>
+              <a:ext uri="smNativeData">
+                <pr:smNativeData xmlns:pr="smNativeData" val="SMDATA_13_5C6yYxMAAAAlAAAAEgAAAA8BAAAAkAAAAEgAAACQAAAASAAAAAAAAAAAAAAAAAAAAAEAAABQAAAAAAAAAAAA4D8AAAAAAADgPwAAAAAAAOA/AAAAAAAA4D8AAAAAAADgPwAAAAAAAOA/AAAAAAAA4D8AAAAAAADgPwAAAAAAAOA/AAAAAAAA4D8CAAAAjAAAAAAAAAAAAAAAu+DjDP///wgAAAAAAAAAAAAAAAAAAAAAAAAAAAAAAAAAAAAAZAAAAAEAAABAAAAAAAAAAAAAAAAAAAAAAAAAAAAAAAAAAAAAAAAAAAAAAAAAAAAAAAAAAAAAAAAAAAAAAAAAAAAAAAAAAAAAAAAAAAAAAAAAAAAAAAAAAAAAAAAAAAAAFAAAADwAAAAAAAAAAAAAAAAAAAkUAAAAAQAAABQAAAAUAAAAFAAAAAEAAAAAAAAAZAAAAGQAAAAAAAAAZAAAAGQAAAAVAAAAYAAAAAAAAAAAAAAADwAAACADAAAAAAAAAAAAAAEAAACgMgAAVgcAAKr4//8BAAAAf39/AAEAAABkAAAAAAAAABQAAABAHwAAAAAAACYAAAAAAAAAwOD//wAAAAAmAAAAZAAAABYAAABMAAAAAAAAAAAAAAAEAAAAAAAAAAEAAACAgIAKAAAAACgAAAAoAAAAZAAAAGQAAAAAAAAAzMzMAAAAAABQAAAAUAAAAGQAAABkAAAAAAAAABcAAAAUAAAAAAAAAAAAAAD/fwAA/38AAAAAAAAJAAAABAAAAAAAAAAMAAAAEAAAAAAAAAAAAAAAAAAAAAAAAAAeAAAAaAAAAAAAAAAAAAAAAAAAAAAAAAAAAAAAECcAABAnAAAAAAAAAAAAAAAAAAAAAAAAAAAAAAAAAAAAAAAAAAAAABQAAAAAAAAAwMD/AAAAAABkAAAAMgAAAAAAAABkAAAAAAAAAH9/fwAKAAAAHwAAAFQAAAC74OMF////AQAAAAAAAAAAAAAAAAAAAAAAAAAAAAAAAAAAAAAAAAAAAAAAAn9/fwCAgIADzMzMAMDA/wB/f38AAAAAAAAAAAAAAAAAAAAAAAAAAAAhAAAAGAAAABQAAABKFwAA/hMAAAYhAAA+FgAAAAAAACYAAAAIAAAA//////////8="/>
+              </a:ext>
+            </a:extLst>
+          </p:cNvSpPr>
+          <p:nvPr/>
+        </p:nvSpPr>
+        <p:spPr>
+          <a:xfrm>
+            <a:off x="3785870" y="3249930"/>
+            <a:ext cx="1582420" cy="365760"/>
+          </a:xfrm>
+          <a:prstGeom prst="rect">
+            <a:avLst/>
+          </a:prstGeom>
+          <a:noFill/>
+          <a:ln>
+            <a:noFill/>
+          </a:ln>
+          <a:effectLst/>
+        </p:spPr>
+        <p:txBody>
+          <a:bodyPr vert="horz" wrap="square" numCol="1" spcCol="215900" anchor="t"/>
+          <a:lstStyle/>
+          <a:p>
+            <a:pPr/>
+            <a:r>
+              <a:t>if and only if</a:t>
+            </a:r>
+          </a:p>
+        </p:txBody>
+      </p:sp>
+      <p:pic>
+        <p:nvPicPr>
+          <p:cNvPr id="6" name="Picture2"/>
+          <p:cNvPicPr>
+            <a:picLocks noChangeAspect="1"/>
+            <a:extLst>
+              <a:ext uri="smNativeData">
+                <pr:smNativeData xmlns:pr="smNativeData" val="SMDATA_15_5C6yYxMAAAAlAAAAEQAAAC8BAAAAkAAAAEgAAACQAAAASAAAAAAAAAAAAAAAAAAAAAEAAABQAAAAAAAAAAAA4D8AAAAAAADgPwAAAAAAAOA/AAAAAAAA4D8AAAAAAADgPwAAAAAAAOA/AAAAAAAA4D8AAAAAAADgPwAAAAAAAOA/AAAAAAAA4D8CAAAAjAAAAAAAAAAAAAAAu+DjDP///wgAAAAAAAAAAAAAAAAAAAAAAAAAAAAAAAAAAAAAZAAAAAEAAABAAAAAAAAAAAAAAAAAAAAAAAAAAAAAAAAAAAAAAAAAAAAAAAAAAAAAAAAAAAAAAAAAAAAAAAAAAAAAAAAAAAAAAAAAAAAAAAAAAAAAAAAAAAAAAAAAAAAAFAAAADwAAAAAAAAAAAAAAAAAAAkUAAAAAQAAABQAAAAUAAAAFAAAAAEAAAAAAAAAZAAAAGQAAAAAAAAAZAAAAGQAAAAVAAAAYAAAAAAAAAAAAAAADwAAACADAAAAAAAAAAAAAAEAAACgMgAAVgcAAKr4//8BAAAAf39/AAEAAABkAAAAAAAAABQAAABAHwAAAAAAACYAAAAAAAAAwOD//wAAAAAmAAAAZAAAABYAAABMAAAAAAAAAAAAAAAEAAAAAAAAAAEAAACAgIAKAAAAACgAAAAoAAAAZAAAAGQAAAAAAAAAzMzMAAAAAABQAAAAUAAAAGQAAABkAAAAAAAAAAcAAAA4AAAAAAAAAAAAAAAAAAAA////AAAAAAAAAAAAAAAAAAAAAAAAAAAAAAAAAAAAAABkAAAAZAAAAAAAAAAjAAAABAAAAGQAAAAXAAAAFAAAAAAAAAAAAAAA/38AAP9/AAAAAAAACQAAAAQAAAAAAAAADAAAABAAAAAuSQqZSkQhPyrVGmo2bzE/HgAAAGgAAAAAAAAAAAAAAAAAAAAAAAAAAAAAABAnAAAQJwAAAAAAAAAAAAAAAAAAAAAAAAAAAAAAAAAAAAAAAAAAAAAUAAAAAAAAAMDA/wAAAAAAZAAAADIAAAAAAAAAZAAAAAAAAAB/f38ACgAAAB8AAABUAAAAu+DjBf///wEAAAAAAAAAAAAAAAAAAAAAAAAAAAAAAAAAAAAAAAAAAAAAAAJ/f38AgICAA8zMzADAwP8Af39/AAAAAAAAAAAAAAAAAP///wAAAAAAIQAAABgAAAAUAAAA4xQAAPIHAAAWNAAAZRcAAAAAAAAmAAAACAAAAP//////////"/>
+              </a:ext>
+            </a:extLst>
+          </p:cNvPicPr>
+          <p:nvPr/>
+        </p:nvPicPr>
+        <p:blipFill>
+          <a:blip r:embed="rId3"/>
+          <a:stretch>
+            <a:fillRect/>
+          </a:stretch>
+        </p:blipFill>
+        <p:spPr>
+          <a:xfrm>
+            <a:off x="3395345" y="1291590"/>
+            <a:ext cx="5071745" cy="2511425"/>
           </a:xfrm>
           <a:prstGeom prst="rect">
             <a:avLst/>
@@ -5197,6 +5401,47 @@
       </a:clrScheme>
       <a:clrMap bg1="lt1" tx1="dk1" bg2="lt2" tx2="dk2" accent1="accent1" accent2="accent2" accent3="accent3" accent4="accent4" accent5="accent5" accent6="accent6" hlink="hlink" folHlink="folHlink"/>
     </a:extraClrScheme>
+    <a:extraClrScheme>
+      <a:clrScheme name="Presentation 18">
+        <a:dk1>
+          <a:srgbClr val="000000"/>
+        </a:dk1>
+        <a:lt1>
+          <a:srgbClr val="FFFFFF"/>
+        </a:lt1>
+        <a:dk2>
+          <a:srgbClr val="000000"/>
+        </a:dk2>
+        <a:lt2>
+          <a:srgbClr val="808080"/>
+        </a:lt2>
+        <a:accent1>
+          <a:srgbClr val="BBE0E3"/>
+        </a:accent1>
+        <a:accent2>
+          <a:srgbClr val="333399"/>
+        </a:accent2>
+        <a:accent3>
+          <a:srgbClr val="535379"/>
+        </a:accent3>
+        <a:accent4>
+          <a:srgbClr val="737359"/>
+        </a:accent4>
+        <a:accent5>
+          <a:srgbClr val="939339"/>
+        </a:accent5>
+        <a:accent6>
+          <a:srgbClr val="B3B319"/>
+        </a:accent6>
+        <a:hlink>
+          <a:srgbClr val="009999"/>
+        </a:hlink>
+        <a:folHlink>
+          <a:srgbClr val="99CC00"/>
+        </a:folHlink>
+      </a:clrScheme>
+      <a:clrMap bg1="lt1" tx1="dk1" bg2="lt2" tx2="dk2" accent1="accent1" accent2="accent2" accent3="accent3" accent4="accent4" accent5="accent5" accent6="accent6" hlink="hlink" folHlink="folHlink"/>
+    </a:extraClrScheme>
   </a:extraClrSchemeLst>
 </a:theme>
 </file>
--- a/images/WebFig.pptx
+++ b/images/WebFig.pptx
@@ -241,7 +241,7 @@
             <a:spLocks noGrp="1" noChangeArrowheads="1"/>
             <a:extLst>
               <a:ext uri="smNativeData">
-                <pr:smNativeData xmlns:pr="smNativeData" val="SMDATA_13_5C6yYxMAAAAlAAAAZAAAAA8BAAAAkAAAAEgAAACQAAAASAAAAAAAAAABAAAAAAAAAAEAAABQAAAAAAAAAAAA4D8AAAAAAADgPwAAAAAAAOA/AAAAAAAA4D8AAAAAAADgPwAAAAAAAOA/AAAAAAAA4D8AAAAAAADgPwAAAAAAAOA/AAAAAAAA4D8CAAAAjAAAAAAAAAAAAAAAu+DjDP///wgAAAAAAAAAAAAAAAAAAAAAAAAAAAAAAAAAAAAAZAAAAAEAAABAAAAAAAAAAAAAAAAAAAAAAAAAAAAAAAAAAAAAAAAAAAAAAAAAAAAAAAAAAAAAAAAAAAAAAAAAAAAAAAAAAAAAAAAAAAAAAAAAAAAAAAAAAAAAAAAAAAAAFAAAADwAAAAAAAAAAAAAAAAAAAkUAAAAAQAAABQAAAAUAAAAFAAAAAEAAAAAAAAAZAAAAGQAAAAAAAAAZAAAAGQAAAAVAAAAYAAAAAAAAAAAAAAADwAAACADAAAAAAAAAAAAAAEAAACgMgAAVgcAAKr4//8BAAAAf39/AAEAAABkAAAAAAAAABQAAABAHwAAAAAAACYAAAAAAAAAwOD//wAAAAAmAAAAZAAAABYAAABMAAAAAAAAAAAAAAAEAAAAAAAAAAEAAACAgIAKAAAAACgAAAAoAAAAZAAAAGQAAAAAAAAAzMzMAAAAAABQAAAAUAAAAGQAAABkAAAAAAAAABcAAAAUAAAAAAAAAAAAAAD/fwAA/38AAAAAAAAJAAAABAAAAAAAAAAMAAAAEAAAAAAAAAAAAAAAAAAAAAAAAAAeAAAAaAAAAAAAAAAAAAAAAAAAAAAAAAAAAAAAECcAABAnAAAAAAAAAAAAAAAAAAAAAAAAAAAAAAAAAAAAAAAAAAAAABQAAAAAAAAAwMD/AAAAAABkAAAAMgAAAAAAAABkAAAAAAAAAH9/fwAKAAAAHwAAAFQAAAAAAAAFAAAAAQAAAAAAAAAAAAAAAAAAAAAAAAAAAAAAAAAAAAAAAAAAAAAAAn9/fwAAAAADzMzMAMDA/wB/f38AAAAAAAAAAAAAAAAAAAAAAAAAAAAhAAAAGAAAABQAAAA4BAAAGg0AAAg0AAAmFgAAEAAAACYAAAAIAAAAAQAAAAAAAAA="/>
+                <pr:smNativeData xmlns:pr="smNativeData" val="SMDATA_13_4y+yYxMAAAAlAAAAZAAAAA8BAAAAkAAAAEgAAACQAAAASAAAAAAAAAABAAAAAAAAAAEAAABQAAAAAAAAAAAA4D8AAAAAAADgPwAAAAAAAOA/AAAAAAAA4D8AAAAAAADgPwAAAAAAAOA/AAAAAAAA4D8AAAAAAADgPwAAAAAAAOA/AAAAAAAA4D8CAAAAjAAAAAAAAAAAAAAAu+DjDP///wgAAAAAAAAAAAAAAAAAAAAAAAAAAAAAAAAAAAAAZAAAAAEAAABAAAAAAAAAAAAAAAAAAAAAAAAAAAAAAAAAAAAAAAAAAAAAAAAAAAAAAAAAAAAAAAAAAAAAAAAAAAAAAAAAAAAAAAAAAAAAAAAAAAAAAAAAAAAAAAAAAAAAFAAAADwAAAAAAAAAAAAAAAAAAAkUAAAAAQAAABQAAAAUAAAAFAAAAAEAAAAAAAAAZAAAAGQAAAAAAAAAZAAAAGQAAAAVAAAAYAAAAAAAAAAAAAAADwAAACADAAAAAAAAAAAAAAEAAACgMgAAVgcAAKr4//8BAAAAf39/AAEAAABkAAAAAAAAABQAAABAHwAAAAAAACYAAAAAAAAAwOD//wAAAAAmAAAAZAAAABYAAABMAAAAAAAAAAAAAAAEAAAAAAAAAAEAAACAgIAKAAAAACgAAAAoAAAAZAAAAGQAAAAAAAAAzMzMAAAAAABQAAAAUAAAAGQAAABkAAAAAAAAABcAAAAUAAAAAAAAAAAAAAD/fwAA/38AAAAAAAAJAAAABAAAAAAAAAAMAAAAEAAAAAAAAAAAAAAAAAAAAAAAAAAeAAAAaAAAAAAAAAAAAAAAAAAAAAAAAAAAAAAAECcAABAnAAAAAAAAAAAAAAAAAAAAAAAAAAAAAAAAAAAAAAAAAAAAABQAAAAAAAAAwMD/AAAAAABkAAAAMgAAAAAAAABkAAAAAAAAAH9/fwAKAAAAHwAAAFQAAAAAAAAFAAAAAQAAAAAAAAAAAAAAAAAAAAAAAAAAAAAAAAAAAAAAAAAAAAAAAn9/fwAAAAADzMzMAMDA/wB/f38AAAAAAAAAAAAAAAAAAAAAAAAAAAAhAAAAGAAAABQAAAA4BAAAGg0AAAg0AAAmFgAAEAAAACYAAAAIAAAAAQAAAAAAAAA="/>
               </a:ext>
             </a:extLst>
           </p:cNvSpPr>
@@ -273,7 +273,7 @@
             <a:spLocks noGrp="1" noChangeArrowheads="1"/>
             <a:extLst>
               <a:ext uri="smNativeData">
-                <pr:smNativeData xmlns:pr="smNativeData" val="SMDATA_13_5C6yYxMAAAAlAAAAZAAAAA8BAAAAkAAAAEgAAACQAAAASAAAAAAAAAAAAAAAAAAAAAEAAABQAAAAAAAAAAAA4D8AAAAAAADgPwAAAAAAAOA/AAAAAAAA4D8AAAAAAADgPwAAAAAAAOA/AAAAAAAA4D8AAAAAAADgPwAAAAAAAOA/AAAAAAAA4D8CAAAAjAAAAAAAAAAAAAAAu+DjDP///wgAAAAAAAAAAAAAAAAAAAAAAAAAAAAAAAAAAAAAZAAAAAEAAABAAAAAAAAAAAAAAAAAAAAAAAAAAAAAAAAAAAAAAAAAAAAAAAAAAAAAAAAAAAAAAAAAAAAAAAAAAAAAAAAAAAAAAAAAAAAAAAAAAAAAAAAAAAAAAAAAAAAAFAAAADwAAAAAAAAAAAAAAAAAAAkUAAAAAQAAABQAAAAUAAAAFAAAAAEAAAAAAAAAZAAAAGQAAAAAAAAAZAAAAGQAAAAVAAAAYAAAAAAAAAAAAAAADwAAACADAAAAAAAAAAAAAAEAAACgMgAAVgcAAKr4//8BAAAAf39/AAEAAABkAAAAAAAAABQAAABAHwAAAAAAACYAAAAAAAAAwOD//wAAAAAmAAAAZAAAABYAAABMAAAAAAAAAAAAAAAEAAAAAAAAAAEAAACAgIAKAAAAACgAAAAoAAAAZAAAAGQAAAAAAAAAzMzMAAAAAABQAAAAUAAAAGQAAABkAAAAAAAAABcAAAAUAAAAAAAAAAAAAAD/fwAA/38AAAAAAAAJAAAABAAAAAAAAAAMAAAAEAAAAAAAAAAAAAAAAAAAAAAAAAAeAAAAaAAAAAAAAAAAAAAAAAAAAAAAAAAAAAAAECcAABAnAAAAAAAAAAAAAAAAAAAAAAAAAAAAAAAAAAAAAAAAAAAAABQAAAAAAAAAwMD/AAAAAABkAAAAMgAAAAAAAABkAAAAAAAAAH9/fwAKAAAAHwAAAFQAAAAAAAAFAAAAAQAAAAAAAAAAAAAAAAAAAAAAAAAAAAAAAAAAAAAAAAAAAAAAAn9/fwAAAAADzMzMAMDA/wB/f38AAAAAAAAAAAAAAAAAAAAAAAAAAAAhAAAAGAAAABQAAABwCAAA6BcAANAvAACwIgAAEAAAACYAAAAIAAAAAYAAAAAAAAA="/>
+                <pr:smNativeData xmlns:pr="smNativeData" val="SMDATA_13_4y+yYxMAAAAlAAAAZAAAAA8BAAAAkAAAAEgAAACQAAAASAAAAAAAAAAAAAAAAAAAAAEAAABQAAAAAAAAAAAA4D8AAAAAAADgPwAAAAAAAOA/AAAAAAAA4D8AAAAAAADgPwAAAAAAAOA/AAAAAAAA4D8AAAAAAADgPwAAAAAAAOA/AAAAAAAA4D8CAAAAjAAAAAAAAAAAAAAAu+DjDP///wgAAAAAAAAAAAAAAAAAAAAAAAAAAAAAAAAAAAAAZAAAAAEAAABAAAAAAAAAAAAAAAAAAAAAAAAAAAAAAAAAAAAAAAAAAAAAAAAAAAAAAAAAAAAAAAAAAAAAAAAAAAAAAAAAAAAAAAAAAAAAAAAAAAAAAAAAAAAAAAAAAAAAFAAAADwAAAAAAAAAAAAAAAAAAAkUAAAAAQAAABQAAAAUAAAAFAAAAAEAAAAAAAAAZAAAAGQAAAAAAAAAZAAAAGQAAAAVAAAAYAAAAAAAAAAAAAAADwAAACADAAAAAAAAAAAAAAEAAACgMgAAVgcAAKr4//8BAAAAf39/AAEAAABkAAAAAAAAABQAAABAHwAAAAAAACYAAAAAAAAAwOD//wAAAAAmAAAAZAAAABYAAABMAAAAAAAAAAAAAAAEAAAAAAAAAAEAAACAgIAKAAAAACgAAAAoAAAAZAAAAGQAAAAAAAAAzMzMAAAAAABQAAAAUAAAAGQAAABkAAAAAAAAABcAAAAUAAAAAAAAAAAAAAD/fwAA/38AAAAAAAAJAAAABAAAAAAAAAAMAAAAEAAAAAAAAAAAAAAAAAAAAAAAAAAeAAAAaAAAAAAAAAAAAAAAAAAAAAAAAAAAAAAAECcAABAnAAAAAAAAAAAAAAAAAAAAAAAAAAAAAAAAAAAAAAAAAAAAABQAAAAAAAAAwMD/AAAAAABkAAAAMgAAAAAAAABkAAAAAAAAAH9/fwAKAAAAHwAAAFQAAAAAAAAFAAAAAQAAAAAAAAAAAAAAAAAAAAAAAAAAAAAAAAAAAAAAAAAAAAAAAn9/fwAAAAADzMzMAMDA/wB/f38AAAAAAAAAAAAAAAAAAAAAAAAAAAAhAAAAGAAAABQAAABwCAAA6BcAANAvAACwIgAAEAAAACYAAAAIAAAAAYAAAAAAAAA="/>
               </a:ext>
             </a:extLst>
           </p:cNvSpPr>
@@ -333,7 +333,7 @@
             <a:spLocks noGrp="1" noChangeArrowheads="1"/>
             <a:extLst>
               <a:ext uri="smNativeData">
-                <pr:smNativeData xmlns:pr="smNativeData" val="SMDATA_13_5C6yYxMAAAAlAAAAZAAAAA8BAAAAkAAAAEgAAACQAAAASAAAAAAAAAABAAAAAAAAAAEAAABQAAAAAAAAAAAA4D8AAAAAAADgPwAAAAAAAOA/AAAAAAAA4D8AAAAAAADgPwAAAAAAAOA/AAAAAAAA4D8AAAAAAADgPwAAAAAAAOA/AAAAAAAA4D8CAAAAjAAAAAAAAAAAAAAAu+DjDP///wgAAAAAAAAAAAAAAAAAAAAAAAAAAAAAAAAAAAAAZAAAAAEAAABAAAAAAAAAAAAAAAAAAAAAAAAAAAAAAAAAAAAAAAAAAAAAAAAAAAAAAAAAAAAAAAAAAAAAAAAAAAAAAAAAAAAAAAAAAAAAAAAAAAAAAAAAAAAAAAAAAAAAFAAAADwAAAAAAAAAAAAAAAAAAAkUAAAAAQAAABQAAAAUAAAAFAAAAAEAAAAAAAAAZAAAAGQAAAAAAAAAZAAAAGQAAAAVAAAAYAAAAAAAAAAAAAAADwAAACADAAAAAAAAAAAAAAEAAACgMgAAVgcAAKr4//8BAAAAf39/AAEAAABkAAAAAAAAABQAAABAHwAAAAAAACYAAAAAAAAAwOD//wAAAAAmAAAAZAAAABYAAABMAAAAAAAAAAAAAAAEAAAAAAAAAAEAAACAgIAKAAAAACgAAAAoAAAAZAAAAGQAAAAAAAAAzMzMAAAAAABQAAAAUAAAAGQAAABkAAAAAAAAABcAAAAUAAAAAAAAAAAAAAD/fwAA/38AAAAAAAAJAAAABAAAAAAAAAAMAAAAEAAAAAAAAAAAAAAAAAAAAAAAAAAeAAAAaAAAAAAAAAAAAAAAAAAAAAAAAAAAAAAAECcAABAnAAAAAAAAAAAAAAAAAAAAAAAAAAAAAAAAAAAAAAAAAAAAABQAAAAAAAAAwMD/AAAAAABkAAAAMgAAAAAAAABkAAAAAAAAAH9/fwAKAAAAHwAAAFQAAAAAAAAFAAAAAQAAAAAAAAAAAAAAAAAAAAAAAAAAAAAAAAAAAAAAAAAAAAAAAn9/fwAAAAADzMzMAMDA/wB/f38AAAAAAAAAAAAAAAAAAAAAAAAAAAAhAAAAGAAAABQAAADQAgAAGycAAPAPAABZKQAAEAAAACYAAAAIAAAAAAAAAAAAAAA="/>
+                <pr:smNativeData xmlns:pr="smNativeData" val="SMDATA_13_4y+yYxMAAAAlAAAAZAAAAA8BAAAAkAAAAEgAAACQAAAASAAAAAAAAAABAAAAAAAAAAEAAABQAAAAAAAAAAAA4D8AAAAAAADgPwAAAAAAAOA/AAAAAAAA4D8AAAAAAADgPwAAAAAAAOA/AAAAAAAA4D8AAAAAAADgPwAAAAAAAOA/AAAAAAAA4D8CAAAAjAAAAAAAAAAAAAAAu+DjDP///wgAAAAAAAAAAAAAAAAAAAAAAAAAAAAAAAAAAAAAZAAAAAEAAABAAAAAAAAAAAAAAAAAAAAAAAAAAAAAAAAAAAAAAAAAAAAAAAAAAAAAAAAAAAAAAAAAAAAAAAAAAAAAAAAAAAAAAAAAAAAAAAAAAAAAAAAAAAAAAAAAAAAAFAAAADwAAAAAAAAAAAAAAAAAAAkUAAAAAQAAABQAAAAUAAAAFAAAAAEAAAAAAAAAZAAAAGQAAAAAAAAAZAAAAGQAAAAVAAAAYAAAAAAAAAAAAAAADwAAACADAAAAAAAAAAAAAAEAAACgMgAAVgcAAKr4//8BAAAAf39/AAEAAABkAAAAAAAAABQAAABAHwAAAAAAACYAAAAAAAAAwOD//wAAAAAmAAAAZAAAABYAAABMAAAAAAAAAAAAAAAEAAAAAAAAAAEAAACAgIAKAAAAACgAAAAoAAAAZAAAAGQAAAAAAAAAzMzMAAAAAABQAAAAUAAAAGQAAABkAAAAAAAAABcAAAAUAAAAAAAAAAAAAAD/fwAA/38AAAAAAAAJAAAABAAAAAAAAAAMAAAAEAAAAAAAAAAAAAAAAAAAAAAAAAAeAAAAaAAAAAAAAAAAAAAAAAAAAAAAAAAAAAAAECcAABAnAAAAAAAAAAAAAAAAAAAAAAAAAAAAAAAAAAAAAAAAAAAAABQAAAAAAAAAwMD/AAAAAABkAAAAMgAAAAAAAABkAAAAAAAAAH9/fwAKAAAAHwAAAFQAAAAAAAAFAAAAAQAAAAAAAAAAAAAAAAAAAAAAAAAAAAAAAAAAAAAAAAAAAAAAAn9/fwAAAAADzMzMAMDA/wB/f38AAAAAAAAAAAAAAAAAAAAAAAAAAAAhAAAAGAAAABQAAADQAgAAGycAAPAPAABZKQAAEAAAACYAAAAIAAAAAAAAAAAAAAA="/>
               </a:ext>
             </a:extLst>
           </p:cNvSpPr>
@@ -347,7 +347,7 @@
           <a:lstStyle/>
           <a:p>
             <a:pPr/>
-            <a:fld id="{06343B2C-62EB-61CD-A58C-949875C253C1}" type="datetime1">
+            <a:fld id="{0608FE78-36EB-5D08-A5B0-C05DB0FE5395}" type="datetime1">
               <a:t/>
             </a:fld>
           </a:p>
@@ -360,7 +360,7 @@
             <a:spLocks noGrp="1" noChangeArrowheads="1"/>
             <a:extLst>
               <a:ext uri="smNativeData">
-                <pr:smNativeData xmlns:pr="smNativeData" val="SMDATA_13_5C6yYxMAAAAlAAAAZAAAAA8BAAAAkAAAAEgAAACQAAAASAAAAAAAAAABAAAAAAAAAAEAAABQAAAAAAAAAAAA4D8AAAAAAADgPwAAAAAAAOA/AAAAAAAA4D8AAAAAAADgPwAAAAAAAOA/AAAAAAAA4D8AAAAAAADgPwAAAAAAAOA/AAAAAAAA4D8CAAAAjAAAAAAAAAAAAAAAu+DjDP///wgAAAAAAAAAAAAAAAAAAAAAAAAAAAAAAAAAAAAAZAAAAAEAAABAAAAAAAAAAAAAAAAAAAAAAAAAAAAAAAAAAAAAAAAAAAAAAAAAAAAAAAAAAAAAAAAAAAAAAAAAAAAAAAAAAAAAAAAAAAAAAAAAAAAAAAAAAAAAAAAAAAAAFAAAADwAAAAAAAAAAAAAAAAAAAkUAAAAAQAAABQAAAAUAAAAFAAAAAEAAAAAAAAAZAAAAGQAAAAAAAAAZAAAAGQAAAAVAAAAYAAAAAAAAAAAAAAADwAAACADAAAAAAAAAAAAAAEAAACgMgAAVgcAAKr4//8BAAAAf39/AAEAAABkAAAAAAAAABQAAABAHwAAAAAAACYAAAAAAAAAwOD//wAAAAAmAAAAZAAAABYAAABMAAAAAAAAAAAAAAAEAAAAAAAAAAEAAACAgIAKAAAAACgAAAAoAAAAZAAAAGQAAAAAAAAAzMzMAAAAAABQAAAAUAAAAGQAAABkAAAAAAAAABcAAAAUAAAAAAAAAAAAAAD/fwAA/38AAAAAAAAJAAAABAAAAElJSf8MAAAAEAAAAAAAAAAAAAAAAAAAAAAAAAAeAAAAaAAAAAAAAAAAAAAAAAAAAAAAAAAAAAAAECcAABAnAAAAAAAAAAAAAAAAAAAAAAAAAAAAAAAAAAAAAAAAAAAAABQAAAAAAAAAwMD/AAAAAABkAAAAMgAAAAAAAABkAAAAAAAAAH9/fwAKAAAAHwAAAFQAAAAAAAAFAAAAAQAAAAAAAAAAAAAAAAAAAAAAAAAAAAAAAAAAAAAAAAAAAAAAAn9/fwAAAAADzMzMAMDA/wB/f38AAAAAAAAAAAAAAAAAAAAAAAAAAAAhAAAAGAAAABQAAAA4EwAAGycAAAglAABZKQAAEAAAACYAAAAIAAAAAAAAAAAAAAA="/>
+                <pr:smNativeData xmlns:pr="smNativeData" val="SMDATA_13_4y+yYxMAAAAlAAAAZAAAAA8BAAAAkAAAAEgAAACQAAAASAAAAAAAAAABAAAAAAAAAAEAAABQAAAAAAAAAAAA4D8AAAAAAADgPwAAAAAAAOA/AAAAAAAA4D8AAAAAAADgPwAAAAAAAOA/AAAAAAAA4D8AAAAAAADgPwAAAAAAAOA/AAAAAAAA4D8CAAAAjAAAAAAAAAAAAAAAu+DjDP///wgAAAAAAAAAAAAAAAAAAAAAAAAAAAAAAAAAAAAAZAAAAAEAAABAAAAAAAAAAAAAAAAAAAAAAAAAAAAAAAAAAAAAAAAAAAAAAAAAAAAAAAAAAAAAAAAAAAAAAAAAAAAAAAAAAAAAAAAAAAAAAAAAAAAAAAAAAAAAAAAAAAAAFAAAADwAAAAAAAAAAAAAAAAAAAkUAAAAAQAAABQAAAAUAAAAFAAAAAEAAAAAAAAAZAAAAGQAAAAAAAAAZAAAAGQAAAAVAAAAYAAAAAAAAAAAAAAADwAAACADAAAAAAAAAAAAAAEAAACgMgAAVgcAAKr4//8BAAAAf39/AAEAAABkAAAAAAAAABQAAABAHwAAAAAAACYAAAAAAAAAwOD//wAAAAAmAAAAZAAAABYAAABMAAAAAAAAAAAAAAAEAAAAAAAAAAEAAACAgIAKAAAAACgAAAAoAAAAZAAAAGQAAAAAAAAAzMzMAAAAAABQAAAAUAAAAGQAAABkAAAAAAAAABcAAAAUAAAAAAAAAAAAAAD/fwAA/38AAAAAAAAJAAAABAAAAElJSf8MAAAAEAAAAAAAAAAAAAAAAAAAAAAAAAAeAAAAaAAAAAAAAAAAAAAAAAAAAAAAAAAAAAAAECcAABAnAAAAAAAAAAAAAAAAAAAAAAAAAAAAAAAAAAAAAAAAAAAAABQAAAAAAAAAwMD/AAAAAABkAAAAMgAAAAAAAABkAAAAAAAAAH9/fwAKAAAAHwAAAFQAAAAAAAAFAAAAAQAAAAAAAAAAAAAAAAAAAAAAAAAAAAAAAAAAAAAAAAAAAAAAAn9/fwAAAAADzMzMAMDA/wB/f38AAAAAAAAAAAAAAAAAAAAAAAAAAAAhAAAAGAAAABQAAAA4EwAAGycAAAglAABZKQAAEAAAACYAAAAIAAAAAAAAAAAAAAA="/>
               </a:ext>
             </a:extLst>
           </p:cNvSpPr>
@@ -384,7 +384,7 @@
             <a:spLocks noGrp="1" noChangeArrowheads="1"/>
             <a:extLst>
               <a:ext uri="smNativeData">
-                <pr:smNativeData xmlns:pr="smNativeData" val="SMDATA_13_5C6yYxMAAAAlAAAAZAAAAA8BAAAAkAAAAEgAAACQAAAASAAAAAAAAAABAAAAAAAAAAEAAABQAAAAAAAAAAAA4D8AAAAAAADgPwAAAAAAAOA/AAAAAAAA4D8AAAAAAADgPwAAAAAAAOA/AAAAAAAA4D8AAAAAAADgPwAAAAAAAOA/AAAAAAAA4D8CAAAAjAAAAAAAAAAAAAAAu+DjDP///wgAAAAAAAAAAAAAAAAAAAAAAAAAAAAAAAAAAAAAZAAAAAEAAABAAAAAAAAAAAAAAAAAAAAAAAAAAAAAAAAAAAAAAAAAAAAAAAAAAAAAAAAAAAAAAAAAAAAAAAAAAAAAAAAAAAAAAAAAAAAAAAAAAAAAAAAAAAAAAAAAAAAAFAAAADwAAAAAAAAAAAAAAAAAAAkUAAAAAQAAABQAAAAUAAAAFAAAAAEAAAAAAAAAZAAAAGQAAAAAAAAAZAAAAGQAAAAVAAAAYAAAAAAAAAAAAAAADwAAACADAAAAAAAAAAAAAAEAAACgMgAAVgcAAKr4//8BAAAAf39/AAEAAABkAAAAAAAAABQAAABAHwAAAAAAACYAAAAAAAAAwOD//wAAAAAmAAAAZAAAABYAAABMAAAAAAAAAAAAAAAEAAAAAAAAAAEAAACAgIAKAAAAACgAAAAoAAAAZAAAAGQAAAAAAAAAzMzMAAAAAABQAAAAUAAAAGQAAABkAAAAAAAAABcAAAAUAAAAAAAAAAAAAAD/fwAA/38AAAAAAAAJAAAABAAAAAAAAAAMAAAAEAAAAAAAAAAAAAAAAAAAAAAAAAAeAAAAaAAAAAAAAAAAAAAAAAAAAAAAAAAAAAAAECcAABAnAAAAAAAAAAAAAAAAAAAAAAAAAAAAAAAAAAAAAAAAAAAAABQAAAAAAAAAwMD/AAAAAABkAAAAMgAAAAAAAABkAAAAAAAAAH9/fwAKAAAAHwAAAFQAAAAAAAAFAAAAAQAAAAAAAAAAAAAAAAAAAAAAAAAAAAAAAAAAAAAAAAAAAAAAAn9/fwAAAAADzMzMAMDA/wB/f38AAAAAAAAAAAAAAAAAAAAAAAAAAAAhAAAAGAAAABQAAABQKAAAGycAAHA1AABZKQAAEAAAACYAAAAIAAAAAAAAAAAAAAA="/>
+                <pr:smNativeData xmlns:pr="smNativeData" val="SMDATA_13_4y+yYxMAAAAlAAAAZAAAAA8BAAAAkAAAAEgAAACQAAAASAAAAAAAAAABAAAAAAAAAAEAAABQAAAAAAAAAAAA4D8AAAAAAADgPwAAAAAAAOA/AAAAAAAA4D8AAAAAAADgPwAAAAAAAOA/AAAAAAAA4D8AAAAAAADgPwAAAAAAAOA/AAAAAAAA4D8CAAAAjAAAAAAAAAAAAAAAu+DjDP///wgAAAAAAAAAAAAAAAAAAAAAAAAAAAAAAAAAAAAAZAAAAAEAAABAAAAAAAAAAAAAAAAAAAAAAAAAAAAAAAAAAAAAAAAAAAAAAAAAAAAAAAAAAAAAAAAAAAAAAAAAAAAAAAAAAAAAAAAAAAAAAAAAAAAAAAAAAAAAAAAAAAAAFAAAADwAAAAAAAAAAAAAAAAAAAkUAAAAAQAAABQAAAAUAAAAFAAAAAEAAAAAAAAAZAAAAGQAAAAAAAAAZAAAAGQAAAAVAAAAYAAAAAAAAAAAAAAADwAAACADAAAAAAAAAAAAAAEAAACgMgAAVgcAAKr4//8BAAAAf39/AAEAAABkAAAAAAAAABQAAABAHwAAAAAAACYAAAAAAAAAwOD//wAAAAAmAAAAZAAAABYAAABMAAAAAAAAAAAAAAAEAAAAAAAAAAEAAACAgIAKAAAAACgAAAAoAAAAZAAAAGQAAAAAAAAAzMzMAAAAAABQAAAAUAAAAGQAAABkAAAAAAAAABcAAAAUAAAAAAAAAAAAAAD/fwAA/38AAAAAAAAJAAAABAAAAAAAAAAMAAAAEAAAAAAAAAAAAAAAAAAAAAAAAAAeAAAAaAAAAAAAAAAAAAAAAAAAAAAAAAAAAAAAECcAABAnAAAAAAAAAAAAAAAAAAAAAAAAAAAAAAAAAAAAAAAAAAAAABQAAAAAAAAAwMD/AAAAAABkAAAAMgAAAAAAAABkAAAAAAAAAH9/fwAKAAAAHwAAAFQAAAAAAAAFAAAAAQAAAAAAAAAAAAAAAAAAAAAAAAAAAAAAAAAAAAAAAAAAAAAAAn9/fwAAAAADzMzMAMDA/wB/f38AAAAAAAAAAAAAAAAAAAAAAAAAAAAhAAAAGAAAABQAAABQKAAAGycAAHA1AABZKQAAEAAAACYAAAAIAAAAAAAAAAAAAAA="/>
               </a:ext>
             </a:extLst>
           </p:cNvSpPr>
@@ -398,7 +398,7 @@
           <a:lstStyle/>
           <a:p>
             <a:pPr/>
-            <a:fld id="{063471AC-E2EB-6187-A58C-14D23FC25341}" type="slidenum">
+            <a:fld id="{0608FCAE-E0EB-5D0A-A5B0-165FB2FE5343}" type="slidenum">
               <a:t/>
             </a:fld>
           </a:p>
@@ -436,7 +436,7 @@
             <a:spLocks noGrp="1" noChangeArrowheads="1"/>
             <a:extLst>
               <a:ext uri="smNativeData">
-                <pr:smNativeData xmlns:pr="smNativeData" val="SMDATA_13_5C6yYxMAAAAlAAAAZAAAAA8BAAAAkAAAAEgAAACQAAAASAAAAAAAAAABAAAAAAAAAAEAAABQAAAAAAAAAAAA4D8AAAAAAADgPwAAAAAAAOA/AAAAAAAA4D8AAAAAAADgPwAAAAAAAOA/AAAAAAAA4D8AAAAAAADgPwAAAAAAAOA/AAAAAAAA4D8CAAAAjAAAAAAAAAAAAAAAu+DjDP///wgAAAAAAAAAAAAAAAAAAAAAAAAAAAAAAAAAAAAAZAAAAAEAAABAAAAAAAAAAAAAAAAAAAAAAAAAAAAAAAAAAAAAAAAAAAAAAAAAAAAAAAAAAAAAAAAAAAAAAAAAAAAAAAAAAAAAAAAAAAAAAAAAAAAAAAAAAAAAAAAAAAAAFAAAADwAAAAAAAAAAAAAAAAAAAkUAAAAAQAAABQAAAAUAAAAFAAAAAEAAAAAAAAAZAAAAGQAAAAAAAAAZAAAAGQAAAAVAAAAYAAAAAAAAAAAAAAADwAAACADAAAAAAAAAAAAAAEAAACgMgAAVgcAAKr4//8BAAAAf39/AAEAAABkAAAAAAAAABQAAABAHwAAAAAAACYAAAAAAAAAwOD//wAAAAAmAAAAZAAAABYAAABMAAAAAAAAAAAAAAAEAAAAAAAAAAEAAACAgIAKAAAAACgAAAAoAAAAZAAAAGQAAAAAAAAAzMzMAAAAAABQAAAAUAAAAGQAAABkAAAAAAAAABcAAAAUAAAAAAAAAAAAAAD/fwAA/38AAAAAAAAJAAAABAAAAAAAAAAMAAAAEAAAAAAAAAAAAAAAAAAAAAAAAAAeAAAAaAAAAAAAAAAAAAAAAAAAAAAAAAAAAAAAECcAABAnAAAAAAAAAAAAAAAAAAAAAAAAAAAAAAAAAAAAAAAAAAAAABQAAAAAAAAAwMD/AAAAAABkAAAAMgAAAAAAAABkAAAAAAAAAH9/fwAKAAAAHwAAAFQAAAAAAAAFAAAAAQAAAAAAAAAAAAAAAAAAAAAAAAAAAAAAAAAAAAAAAAAAAAAAAn9/fwAAAAADzMzMAMDA/wB/f38AAAAAAAAAAAAAAAAAAAAAAAAAAAAhAAAAGAAAABQAAADQAgAAsAEAAHA1AAC4CAAAEAAAACYAAAAIAAAAAAAAAAAAAAA="/>
+                <pr:smNativeData xmlns:pr="smNativeData" val="SMDATA_13_4y+yYxMAAAAlAAAAZAAAAA8BAAAAkAAAAEgAAACQAAAASAAAAAAAAAABAAAAAAAAAAEAAABQAAAAAAAAAAAA4D8AAAAAAADgPwAAAAAAAOA/AAAAAAAA4D8AAAAAAADgPwAAAAAAAOA/AAAAAAAA4D8AAAAAAADgPwAAAAAAAOA/AAAAAAAA4D8CAAAAjAAAAAAAAAAAAAAAu+DjDP///wgAAAAAAAAAAAAAAAAAAAAAAAAAAAAAAAAAAAAAZAAAAAEAAABAAAAAAAAAAAAAAAAAAAAAAAAAAAAAAAAAAAAAAAAAAAAAAAAAAAAAAAAAAAAAAAAAAAAAAAAAAAAAAAAAAAAAAAAAAAAAAAAAAAAAAAAAAAAAAAAAAAAAFAAAADwAAAAAAAAAAAAAAAAAAAkUAAAAAQAAABQAAAAUAAAAFAAAAAEAAAAAAAAAZAAAAGQAAAAAAAAAZAAAAGQAAAAVAAAAYAAAAAAAAAAAAAAADwAAACADAAAAAAAAAAAAAAEAAACgMgAAVgcAAKr4//8BAAAAf39/AAEAAABkAAAAAAAAABQAAABAHwAAAAAAACYAAAAAAAAAwOD//wAAAAAmAAAAZAAAABYAAABMAAAAAAAAAAAAAAAEAAAAAAAAAAEAAACAgIAKAAAAACgAAAAoAAAAZAAAAGQAAAAAAAAAzMzMAAAAAABQAAAAUAAAAGQAAABkAAAAAAAAABcAAAAUAAAAAAAAAAAAAAD/fwAA/38AAAAAAAAJAAAABAAAAAAAAAAMAAAAEAAAAAAAAAAAAAAAAAAAAAAAAAAeAAAAaAAAAAAAAAAAAAAAAAAAAAAAAAAAAAAAECcAABAnAAAAAAAAAAAAAAAAAAAAAAAAAAAAAAAAAAAAAAAAAAAAABQAAAAAAAAAwMD/AAAAAABkAAAAMgAAAAAAAABkAAAAAAAAAH9/fwAKAAAAHwAAAFQAAAAAAAAFAAAAAQAAAAAAAAAAAAAAAAAAAAAAAAAAAAAAAAAAAAAAAAAAAAAAAn9/fwAAAAADzMzMAMDA/wB/f38AAAAAAAAAAAAAAAAAAAAAAAAAAAAhAAAAGAAAABQAAADQAgAAsAEAAHA1AAC4CAAAEAAAACYAAAAIAAAAAAAAAAAAAAA="/>
               </a:ext>
             </a:extLst>
           </p:cNvSpPr>
@@ -463,7 +463,7 @@
             <a:spLocks noGrp="1" noChangeArrowheads="1"/>
             <a:extLst>
               <a:ext uri="smNativeData">
-                <pr:smNativeData xmlns:pr="smNativeData" val="SMDATA_13_5C6yYxMAAAAlAAAAZAAAAA8BAAAAkAAAAEgAAACQAAAASAAAAAAAAAAAAAAAAQAAAAEAAABQAAAAAAAAAAAA4D8AAAAAAADgPwAAAAAAAOA/AAAAAAAA4D8AAAAAAADgPwAAAAAAAOA/AAAAAAAA4D8AAAAAAADgPwAAAAAAAOA/AAAAAAAA4D8CAAAAjAAAAAAAAAAAAAAAu+DjDP///wgAAAAAAAAAAAAAAAAAAAAAAAAAAAAAAAAAAAAAZAAAAAEAAABAAAAAAAAAAAAAAAAAAAAAAAAAAAAAAAAAAAAAAAAAAAAAAAAAAAAAAAAAAAAAAAAAAAAAAAAAAAAAAAAAAAAAAAAAAAAAAAAAAAAAAAAAAAAAAAAAAAAAFAAAADwAAAAAAAAAAAAAAAAAAAkUAAAAAQAAABQAAAAUAAAAFAAAAAEAAAAAAAAAZAAAAGQAAAAAAAAAZAAAAGQAAAAVAAAAYAAAAAAAAAAAAAAADwAAACADAAAAAAAAAAAAAAEAAACgMgAAVgcAAKr4//8BAAAAf39/AAEAAABkAAAAAAAAABQAAABAHwAAAAAAACYAAAAAAAAAwOD//wAAAAAmAAAAZAAAABYAAABMAAAAAAAAAAAAAAAEAAAAAAAAAAEAAACAgIAKAAAAACgAAAAoAAAAZAAAAGQAAAAAAAAAzMzMAAAAAABQAAAAUAAAAGQAAABkAAAAAAAAABcAAAAUAAAAAAAAAAAAAAD/fwAA/38AAAAAAAAJAAAABAAAAAAAAAAMAAAAEAAAAAAAAAAAAAAAAAAAAAAAAAAeAAAAaAAAAAAAAAAAAAAAAAAAAAAAAAAAAAAAECcAABAnAAAAAAAAAAAAAAAAAAAAAAAAAAAAAAAAAAAAAAAAAAAAABQAAAAAAAAAwMD/AAAAAABkAAAAMgAAAAAAAABkAAAAAAAAAH9/fwAKAAAAHwAAAFQAAAAAAAAFAAAAAQAAAAAAAAAAAAAAAAAAAAAAAAAAAAAAAAAAAAAAAAAAAAAAAn9/fwAAAAADzMzMAMDA/wB/f38AAAAAAAAAAAAAAAAAAAAAAAAAAAAhAAAAGAAAABQAAADQAgAA2AkAAHA1AACwJQAAEAAAACYAAAAIAAAAAgAAAAAAAAA="/>
+                <pr:smNativeData xmlns:pr="smNativeData" val="SMDATA_13_4y+yYxMAAAAlAAAAZAAAAA8BAAAAkAAAAEgAAACQAAAASAAAAAAAAAAAAAAAAQAAAAEAAABQAAAAAAAAAAAA4D8AAAAAAADgPwAAAAAAAOA/AAAAAAAA4D8AAAAAAADgPwAAAAAAAOA/AAAAAAAA4D8AAAAAAADgPwAAAAAAAOA/AAAAAAAA4D8CAAAAjAAAAAAAAAAAAAAAu+DjDP///wgAAAAAAAAAAAAAAAAAAAAAAAAAAAAAAAAAAAAAZAAAAAEAAABAAAAAAAAAAAAAAAAAAAAAAAAAAAAAAAAAAAAAAAAAAAAAAAAAAAAAAAAAAAAAAAAAAAAAAAAAAAAAAAAAAAAAAAAAAAAAAAAAAAAAAAAAAAAAAAAAAAAAFAAAADwAAAAAAAAAAAAAAAAAAAkUAAAAAQAAABQAAAAUAAAAFAAAAAEAAAAAAAAAZAAAAGQAAAAAAAAAZAAAAGQAAAAVAAAAYAAAAAAAAAAAAAAADwAAACADAAAAAAAAAAAAAAEAAACgMgAAVgcAAKr4//8BAAAAf39/AAEAAABkAAAAAAAAABQAAABAHwAAAAAAACYAAAAAAAAAwOD//wAAAAAmAAAAZAAAABYAAABMAAAAAAAAAAAAAAAEAAAAAAAAAAEAAACAgIAKAAAAACgAAAAoAAAAZAAAAGQAAAAAAAAAzMzMAAAAAABQAAAAUAAAAGQAAABkAAAAAAAAABcAAAAUAAAAAAAAAAAAAAD/fwAA/38AAAAAAAAJAAAABAAAAAAAAAAMAAAAEAAAAAAAAAAAAAAAAAAAAAAAAAAeAAAAaAAAAAAAAAAAAAAAAAAAAAAAAAAAAAAAECcAABAnAAAAAAAAAAAAAAAAAAAAAAAAAAAAAAAAAAAAAAAAAAAAABQAAAAAAAAAwMD/AAAAAABkAAAAMgAAAAAAAABkAAAAAAAAAH9/fwAKAAAAHwAAAFQAAAAAAAAFAAAAAQAAAAAAAAAAAAAAAAAAAAAAAAAAAAAAAAAAAAAAAAAAAAAAAn9/fwAAAAADzMzMAMDA/wB/f38AAAAAAAAAAAAAAAAAAAAAAAAAAAAhAAAAGAAAABQAAADQAgAA2AkAAHA1AACwJQAAEAAAACYAAAAIAAAAAgAAAAAAAAA="/>
               </a:ext>
             </a:extLst>
           </p:cNvSpPr>
@@ -518,7 +518,7 @@
             <a:spLocks noGrp="1" noChangeArrowheads="1"/>
             <a:extLst>
               <a:ext uri="smNativeData">
-                <pr:smNativeData xmlns:pr="smNativeData" val="SMDATA_13_5C6yYxMAAAAlAAAAZAAAAA8BAAAAkAAAAEgAAACQAAAASAAAAAAAAAABAAAAAAAAAAEAAABQAAAAAAAAAAAA4D8AAAAAAADgPwAAAAAAAOA/AAAAAAAA4D8AAAAAAADgPwAAAAAAAOA/AAAAAAAA4D8AAAAAAADgPwAAAAAAAOA/AAAAAAAA4D8CAAAAjAAAAAAAAAAAAAAAu+DjDP///wgAAAAAAAAAAAAAAAAAAAAAAAAAAAAAAAAAAAAAZAAAAAEAAABAAAAAAAAAAAAAAAAAAAAAAAAAAAAAAAAAAAAAAAAAAAAAAAAAAAAAAAAAAAAAAAAAAAAAAAAAAAAAAAAAAAAAAAAAAAAAAAAAAAAAAAAAAAAAAAAAAAAAFAAAADwAAAAAAAAAAAAAAAAAAAkUAAAAAQAAABQAAAAUAAAAFAAAAAEAAAAAAAAAZAAAAGQAAAAAAAAAZAAAAGQAAAAVAAAAYAAAAAAAAAAAAAAADwAAACADAAAAAAAAAAAAAAEAAACgMgAAVgcAAKr4//8BAAAAf39/AAEAAABkAAAAAAAAABQAAABAHwAAAAAAACYAAAAAAAAAwOD//wAAAAAmAAAAZAAAABYAAABMAAAAAAAAAAAAAAAEAAAAAAAAAAEAAACAgIAKAAAAACgAAAAoAAAAZAAAAGQAAAAAAAAAzMzMAAAAAABQAAAAUAAAAGQAAABkAAAAAAAAABcAAAAUAAAAAAAAAAAAAAD/fwAA/38AAAAAAAAJAAAABAAAAAAAAAAMAAAAEAAAAAAAAAAAAAAAAAAAAAAAAAAeAAAAaAAAAAAAAAAAAAAAAAAAAAAAAAAAAAAAECcAABAnAAAAAAAAAAAAAAAAAAAAAAAAAAAAAAAAAAAAAAAAAAAAABQAAAAAAAAAwMD/AAAAAABkAAAAMgAAAAAAAABkAAAAAAAAAH9/fwAKAAAAHwAAAFQAAAAAAAAFAAAAAQAAAAAAAAAAAAAAAAAAAAAAAAAAAAAAAAAAAAAAAAAAAAAAAn9/fwAAAAADzMzMAMDA/wB/f38AAAAAAAAAAAAAAAAAAAAAAAAAAAAhAAAAGAAAABQAAADQAgAAGycAAPAPAABZKQAAEAAAACYAAAAIAAAAAAAAAAAAAAA="/>
+                <pr:smNativeData xmlns:pr="smNativeData" val="SMDATA_13_4y+yYxMAAAAlAAAAZAAAAA8BAAAAkAAAAEgAAACQAAAASAAAAAAAAAABAAAAAAAAAAEAAABQAAAAAAAAAAAA4D8AAAAAAADgPwAAAAAAAOA/AAAAAAAA4D8AAAAAAADgPwAAAAAAAOA/AAAAAAAA4D8AAAAAAADgPwAAAAAAAOA/AAAAAAAA4D8CAAAAjAAAAAAAAAAAAAAAu+DjDP///wgAAAAAAAAAAAAAAAAAAAAAAAAAAAAAAAAAAAAAZAAAAAEAAABAAAAAAAAAAAAAAAAAAAAAAAAAAAAAAAAAAAAAAAAAAAAAAAAAAAAAAAAAAAAAAAAAAAAAAAAAAAAAAAAAAAAAAAAAAAAAAAAAAAAAAAAAAAAAAAAAAAAAFAAAADwAAAAAAAAAAAAAAAAAAAkUAAAAAQAAABQAAAAUAAAAFAAAAAEAAAAAAAAAZAAAAGQAAAAAAAAAZAAAAGQAAAAVAAAAYAAAAAAAAAAAAAAADwAAACADAAAAAAAAAAAAAAEAAACgMgAAVgcAAKr4//8BAAAAf39/AAEAAABkAAAAAAAAABQAAABAHwAAAAAAACYAAAAAAAAAwOD//wAAAAAmAAAAZAAAABYAAABMAAAAAAAAAAAAAAAEAAAAAAAAAAEAAACAgIAKAAAAACgAAAAoAAAAZAAAAGQAAAAAAAAAzMzMAAAAAABQAAAAUAAAAGQAAABkAAAAAAAAABcAAAAUAAAAAAAAAAAAAAD/fwAA/38AAAAAAAAJAAAABAAAAAAAAAAMAAAAEAAAAAAAAAAAAAAAAAAAAAAAAAAeAAAAaAAAAAAAAAAAAAAAAAAAAAAAAAAAAAAAECcAABAnAAAAAAAAAAAAAAAAAAAAAAAAAAAAAAAAAAAAAAAAAAAAABQAAAAAAAAAwMD/AAAAAABkAAAAMgAAAAAAAABkAAAAAAAAAH9/fwAKAAAAHwAAAFQAAAAAAAAFAAAAAQAAAAAAAAAAAAAAAAAAAAAAAAAAAAAAAAAAAAAAAAAAAAAAAn9/fwAAAAADzMzMAMDA/wB/f38AAAAAAAAAAAAAAAAAAAAAAAAAAAAhAAAAGAAAABQAAADQAgAAGycAAPAPAABZKQAAEAAAACYAAAAIAAAAAAAAAAAAAAA="/>
               </a:ext>
             </a:extLst>
           </p:cNvSpPr>
@@ -532,7 +532,7 @@
           <a:lstStyle/>
           <a:p>
             <a:pPr/>
-            <a:fld id="{06346DFC-B2EB-619B-A58C-44CE23C25311}" type="datetime1">
+            <a:fld id="{0608B3F4-BAEB-5D45-A5B0-4C10FDFE5319}" type="datetime1">
               <a:t/>
             </a:fld>
           </a:p>
@@ -545,7 +545,7 @@
             <a:spLocks noGrp="1" noChangeArrowheads="1"/>
             <a:extLst>
               <a:ext uri="smNativeData">
-                <pr:smNativeData xmlns:pr="smNativeData" val="SMDATA_13_5C6yYxMAAAAlAAAAZAAAAA8BAAAAkAAAAEgAAACQAAAASAAAAAAAAAABAAAAAAAAAAEAAABQAAAAAAAAAAAA4D8AAAAAAADgPwAAAAAAAOA/AAAAAAAA4D8AAAAAAADgPwAAAAAAAOA/AAAAAAAA4D8AAAAAAADgPwAAAAAAAOA/AAAAAAAA4D8CAAAAjAAAAAAAAAAAAAAAu+DjDP///wgAAAAAAAAAAAAAAAAAAAAAAAAAAAAAAAAAAAAAZAAAAAEAAABAAAAAAAAAAAAAAAAAAAAAAAAAAAAAAAAAAAAAAAAAAAAAAAAAAAAAAAAAAAAAAAAAAAAAAAAAAAAAAAAAAAAAAAAAAAAAAAAAAAAAAAAAAAAAAAAAAAAAFAAAADwAAAAAAAAAAAAAAAAAAAkUAAAAAQAAABQAAAAUAAAAFAAAAAEAAAAAAAAAZAAAAGQAAAAAAAAAZAAAAGQAAAAVAAAAYAAAAAAAAAAAAAAADwAAACADAAAAAAAAAAAAAAEAAACgMgAAVgcAAKr4//8BAAAAf39/AAEAAABkAAAAAAAAABQAAABAHwAAAAAAACYAAAAAAAAAwOD//wAAAAAmAAAAZAAAABYAAABMAAAAAAAAAAAAAAAEAAAAAAAAAAEAAACAgIAKAAAAACgAAAAoAAAAZAAAAGQAAAAAAAAAzMzMAAAAAABQAAAAUAAAAGQAAABkAAAAAAAAABcAAAAUAAAAAAAAAAAAAAD/fwAA/38AAAAAAAAJAAAABAAAAAAAAAAMAAAAEAAAAAAAAAAAAAAAAAAAAAAAAAAeAAAAaAAAAAAAAAAAAAAAAAAAAAAAAAAAAAAAECcAABAnAAAAAAAAAAAAAAAAAAAAAAAAAAAAAAAAAAAAAAAAAAAAABQAAAAAAAAAwMD/AAAAAABkAAAAMgAAAAAAAABkAAAAAAAAAH9/fwAKAAAAHwAAAFQAAAAAAAAFAAAAAQAAAAAAAAAAAAAAAAAAAAAAAAAAAAAAAAAAAAAAAAAAAAAAAn9/fwAAAAADzMzMAMDA/wB/f38AAAAAAAAAAAAAAAAAAAAAAAAAAAAhAAAAGAAAABQAAAA4EwAAGycAAAglAABZKQAAEAAAACYAAAAIAAAAAAAAAAAAAAA="/>
+                <pr:smNativeData xmlns:pr="smNativeData" val="SMDATA_13_4y+yYxMAAAAlAAAAZAAAAA8BAAAAkAAAAEgAAACQAAAASAAAAAAAAAABAAAAAAAAAAEAAABQAAAAAAAAAAAA4D8AAAAAAADgPwAAAAAAAOA/AAAAAAAA4D8AAAAAAADgPwAAAAAAAOA/AAAAAAAA4D8AAAAAAADgPwAAAAAAAOA/AAAAAAAA4D8CAAAAjAAAAAAAAAAAAAAAu+DjDP///wgAAAAAAAAAAAAAAAAAAAAAAAAAAAAAAAAAAAAAZAAAAAEAAABAAAAAAAAAAAAAAAAAAAAAAAAAAAAAAAAAAAAAAAAAAAAAAAAAAAAAAAAAAAAAAAAAAAAAAAAAAAAAAAAAAAAAAAAAAAAAAAAAAAAAAAAAAAAAAAAAAAAAFAAAADwAAAAAAAAAAAAAAAAAAAkUAAAAAQAAABQAAAAUAAAAFAAAAAEAAAAAAAAAZAAAAGQAAAAAAAAAZAAAAGQAAAAVAAAAYAAAAAAAAAAAAAAADwAAACADAAAAAAAAAAAAAAEAAACgMgAAVgcAAKr4//8BAAAAf39/AAEAAABkAAAAAAAAABQAAABAHwAAAAAAACYAAAAAAAAAwOD//wAAAAAmAAAAZAAAABYAAABMAAAAAAAAAAAAAAAEAAAAAAAAAAEAAACAgIAKAAAAACgAAAAoAAAAZAAAAGQAAAAAAAAAzMzMAAAAAABQAAAAUAAAAGQAAABkAAAAAAAAABcAAAAUAAAAAAAAAAAAAAD/fwAA/38AAAAAAAAJAAAABAAAAAAAAAAMAAAAEAAAAAAAAAAAAAAAAAAAAAAAAAAeAAAAaAAAAAAAAAAAAAAAAAAAAAAAAAAAAAAAECcAABAnAAAAAAAAAAAAAAAAAAAAAAAAAAAAAAAAAAAAAAAAAAAAABQAAAAAAAAAwMD/AAAAAABkAAAAMgAAAAAAAABkAAAAAAAAAH9/fwAKAAAAHwAAAFQAAAAAAAAFAAAAAQAAAAAAAAAAAAAAAAAAAAAAAAAAAAAAAAAAAAAAAAAAAAAAAn9/fwAAAAADzMzMAMDA/wB/f38AAAAAAAAAAAAAAAAAAAAAAAAAAAAhAAAAGAAAABQAAAA4EwAAGycAAAglAABZKQAAEAAAACYAAAAIAAAAAAAAAAAAAAA="/>
               </a:ext>
             </a:extLst>
           </p:cNvSpPr>
@@ -569,7 +569,7 @@
             <a:spLocks noGrp="1" noChangeArrowheads="1"/>
             <a:extLst>
               <a:ext uri="smNativeData">
-                <pr:smNativeData xmlns:pr="smNativeData" val="SMDATA_13_5C6yYxMAAAAlAAAAZAAAAA8BAAAAkAAAAEgAAACQAAAASAAAAAAAAAABAAAAAAAAAAEAAABQAAAAAAAAAAAA4D8AAAAAAADgPwAAAAAAAOA/AAAAAAAA4D8AAAAAAADgPwAAAAAAAOA/AAAAAAAA4D8AAAAAAADgPwAAAAAAAOA/AAAAAAAA4D8CAAAAjAAAAAAAAAAAAAAAu+DjDP///wgAAAAAAAAAAAAAAAAAAAAAAAAAAAAAAAAAAAAAZAAAAAEAAABAAAAAAAAAAAAAAAAAAAAAAAAAAAAAAAAAAAAAAAAAAAAAAAAAAAAAAAAAAAAAAAAAAAAAAAAAAAAAAAAAAAAAAAAAAAAAAAAAAAAAAAAAAAAAAAAAAAAAFAAAADwAAAAAAAAAAAAAAAAAAAkUAAAAAQAAABQAAAAUAAAAFAAAAAEAAAAAAAAAZAAAAGQAAAAAAAAAZAAAAGQAAAAVAAAAYAAAAAAAAAAAAAAADwAAACADAAAAAAAAAAAAAAEAAACgMgAAVgcAAKr4//8BAAAAf39/AAEAAABkAAAAAAAAABQAAABAHwAAAAAAACYAAAAAAAAAwOD//wAAAAAmAAAAZAAAABYAAABMAAAAAAAAAAAAAAAEAAAAAAAAAAEAAACAgIAKAAAAACgAAAAoAAAAZAAAAGQAAAAAAAAAzMzMAAAAAABQAAAAUAAAAGQAAABkAAAAAAAAABcAAAAUAAAAAAAAAAAAAAD/fwAA/38AAAAAAAAJAAAABAAAAAAAAAAMAAAAEAAAAAAAAAAAAAAAAAAAAAAAAAAeAAAAaAAAAAAAAAAAAAAAAAAAAAAAAAAAAAAAECcAABAnAAAAAAAAAAAAAAAAAAAAAAAAAAAAAAAAAAAAAAAAAAAAABQAAAAAAAAAwMD/AAAAAABkAAAAMgAAAAAAAABkAAAAAAAAAH9/fwAKAAAAHwAAAFQAAAAAAAAFAAAAAQAAAAAAAAAAAAAAAAAAAAAAAAAAAAAAAAAAAAAAAAAAAAAAAn9/fwAAAAADzMzMAMDA/wB/f38AAAAAAAAAAAAAAAAAAAAAAAAAAAAhAAAAGAAAABQAAABQKAAAGycAAHA1AABZKQAAEAAAACYAAAAIAAAAAAAAAAAAAAA="/>
+                <pr:smNativeData xmlns:pr="smNativeData" val="SMDATA_13_4y+yYxMAAAAlAAAAZAAAAA8BAAAAkAAAAEgAAACQAAAASAAAAAAAAAABAAAAAAAAAAEAAABQAAAAAAAAAAAA4D8AAAAAAADgPwAAAAAAAOA/AAAAAAAA4D8AAAAAAADgPwAAAAAAAOA/AAAAAAAA4D8AAAAAAADgPwAAAAAAAOA/AAAAAAAA4D8CAAAAjAAAAAAAAAAAAAAAu+DjDP///wgAAAAAAAAAAAAAAAAAAAAAAAAAAAAAAAAAAAAAZAAAAAEAAABAAAAAAAAAAAAAAAAAAAAAAAAAAAAAAAAAAAAAAAAAAAAAAAAAAAAAAAAAAAAAAAAAAAAAAAAAAAAAAAAAAAAAAAAAAAAAAAAAAAAAAAAAAAAAAAAAAAAAFAAAADwAAAAAAAAAAAAAAAAAAAkUAAAAAQAAABQAAAAUAAAAFAAAAAEAAAAAAAAAZAAAAGQAAAAAAAAAZAAAAGQAAAAVAAAAYAAAAAAAAAAAAAAADwAAACADAAAAAAAAAAAAAAEAAACgMgAAVgcAAKr4//8BAAAAf39/AAEAAABkAAAAAAAAABQAAABAHwAAAAAAACYAAAAAAAAAwOD//wAAAAAmAAAAZAAAABYAAABMAAAAAAAAAAAAAAAEAAAAAAAAAAEAAACAgIAKAAAAACgAAAAoAAAAZAAAAGQAAAAAAAAAzMzMAAAAAABQAAAAUAAAAGQAAABkAAAAAAAAABcAAAAUAAAAAAAAAAAAAAD/fwAA/38AAAAAAAAJAAAABAAAAAAAAAAMAAAAEAAAAAAAAAAAAAAAAAAAAAAAAAAeAAAAaAAAAAAAAAAAAAAAAAAAAAAAAAAAAAAAECcAABAnAAAAAAAAAAAAAAAAAAAAAAAAAAAAAAAAAAAAAAAAAAAAABQAAAAAAAAAwMD/AAAAAABkAAAAMgAAAAAAAABkAAAAAAAAAH9/fwAKAAAAHwAAAFQAAAAAAAAFAAAAAQAAAAAAAAAAAAAAAAAAAAAAAAAAAAAAAAAAAAAAAAAAAAAAAn9/fwAAAAADzMzMAMDA/wB/f38AAAAAAAAAAAAAAAAAAAAAAAAAAAAhAAAAGAAAABQAAABQKAAAGycAAHA1AABZKQAAEAAAACYAAAAIAAAAAAAAAAAAAAA="/>
               </a:ext>
             </a:extLst>
           </p:cNvSpPr>
@@ -583,7 +583,7 @@
           <a:lstStyle/>
           <a:p>
             <a:pPr/>
-            <a:fld id="{063419E1-AFEB-61EF-A58C-59BA57C2530C}" type="slidenum">
+            <a:fld id="{0608E3C0-8EEB-5D15-A5B0-7840ADFE532D}" type="slidenum">
               <a:t/>
             </a:fld>
           </a:p>
@@ -621,7 +621,7 @@
             <a:spLocks noGrp="1" noChangeArrowheads="1"/>
             <a:extLst>
               <a:ext uri="smNativeData">
-                <pr:smNativeData xmlns:pr="smNativeData" val="SMDATA_13_5C6yYxMAAAAlAAAAZAAAAA8BAAAAkAAAAEgAAACQAAAASAAAAAAAAAACAAAAAQAAAAEAAABQAAAAAAAAAAAA4D8AAAAAAADgPwAAAAAAAOA/AAAAAAAA4D8AAAAAAADgPwAAAAAAAOA/AAAAAAAA4D8AAAAAAADgPwAAAAAAAOA/AAAAAAAA4D8CAAAAjAAAAAAAAAAAAAAAu+DjDP///wgAAAAAAAAAAAAAAAAAAAAAAAAAAAAAAAAAAAAAZAAAAAEAAABAAAAAAAAAAAAAAAAAAAAAAAAAAAAAAAAAAAAAAAAAAAAAAAAAAAAAAAAAAAAAAAAAAAAAAAAAAAAAAAAAAAAAAAAAAAAAAAAAAAAAAAAAAAAAAAAAAAAAFAAAADwAAAAAAAAAAAAAAAAAAAkUAAAAAQAAABQAAAAUAAAAFAAAAAEAAAAAAAAAZAAAAGQAAAAAAAAAZAAAAGQAAAAVAAAAYAAAAAAAAAAAAAAADwAAACADAAAAAAAAAAAAAAEAAACgMgAAVgcAAKr4//8BAAAAf39/AAEAAABkAAAAAAAAABQAAABAHwAAAAAAACYAAAAAAAAAwOD//wAAAAAmAAAAZAAAABYAAABMAAAAAAAAAAAAAAAEAAAAAAAAAAEAAACAgIAKAAAAACgAAAAoAAAAZAAAAGQAAAAAAAAAzMzMAAAAAABQAAAAUAAAAGQAAABkAAAAAAAAABcAAAAUAAAAAAAAAAAAAAD/fwAA/38AAAAAAAAJAAAABAAAAAAAAAAMAAAAEAAAAAAAAAAAAAAAAAAAAAAAAAAeAAAAaAAAAAAAAAAAAAAAAAAAAAAAAAAAAAAAECcAABAnAAAAAAAAAAAAAAAAAAAAAAAAAAAAAAAAAAAAAAAAAAAAABQAAAAAAAAAwMD/AAAAAABkAAAAMgAAAAAAAABkAAAAAAAAAH9/fwAKAAAAHwAAAFQAAAAAAAAFAAAAAQAAAAAAAAAAAAAAAAAAAAAAAAAAAAAAAAAAAAAAAAAAAAAAAn9/fwAAAAADzMzMAMDA/wB/f38AAAAAAAAAAAAAAAAAAAAAAAAAAAAhAAAAGAAAABQAAADIKAAAsAEAAHA1AACwJQAAEAAAACYAAAAIAAAAgwAAAAAAAAA="/>
+                <pr:smNativeData xmlns:pr="smNativeData" val="SMDATA_13_4y+yYxMAAAAlAAAAZAAAAA8BAAAAkAAAAEgAAACQAAAASAAAAAAAAAACAAAAAQAAAAEAAABQAAAAAAAAAAAA4D8AAAAAAADgPwAAAAAAAOA/AAAAAAAA4D8AAAAAAADgPwAAAAAAAOA/AAAAAAAA4D8AAAAAAADgPwAAAAAAAOA/AAAAAAAA4D8CAAAAjAAAAAAAAAAAAAAAu+DjDP///wgAAAAAAAAAAAAAAAAAAAAAAAAAAAAAAAAAAAAAZAAAAAEAAABAAAAAAAAAAAAAAAAAAAAAAAAAAAAAAAAAAAAAAAAAAAAAAAAAAAAAAAAAAAAAAAAAAAAAAAAAAAAAAAAAAAAAAAAAAAAAAAAAAAAAAAAAAAAAAAAAAAAAFAAAADwAAAAAAAAAAAAAAAAAAAkUAAAAAQAAABQAAAAUAAAAFAAAAAEAAAAAAAAAZAAAAGQAAAAAAAAAZAAAAGQAAAAVAAAAYAAAAAAAAAAAAAAADwAAACADAAAAAAAAAAAAAAEAAACgMgAAVgcAAKr4//8BAAAAf39/AAEAAABkAAAAAAAAABQAAABAHwAAAAAAACYAAAAAAAAAwOD//wAAAAAmAAAAZAAAABYAAABMAAAAAAAAAAAAAAAEAAAAAAAAAAEAAACAgIAKAAAAACgAAAAoAAAAZAAAAGQAAAAAAAAAzMzMAAAAAABQAAAAUAAAAGQAAABkAAAAAAAAABcAAAAUAAAAAAAAAAAAAAD/fwAA/38AAAAAAAAJAAAABAAAAAAAAAAMAAAAEAAAAAAAAAAAAAAAAAAAAAAAAAAeAAAAaAAAAAAAAAAAAAAAAAAAAAAAAAAAAAAAECcAABAnAAAAAAAAAAAAAAAAAAAAAAAAAAAAAAAAAAAAAAAAAAAAABQAAAAAAAAAwMD/AAAAAABkAAAAMgAAAAAAAABkAAAAAAAAAH9/fwAKAAAAHwAAAFQAAAAAAAAFAAAAAQAAAAAAAAAAAAAAAAAAAAAAAAAAAAAAAAAAAAAAAAAAAAAAAn9/fwAAAAADzMzMAMDA/wB/f38AAAAAAAAAAAAAAAAAAAAAAAAAAAAhAAAAGAAAABQAAADIKAAAsAEAAHA1AACwJQAAEAAAACYAAAAIAAAAgwAAAAAAAAA="/>
               </a:ext>
             </a:extLst>
           </p:cNvSpPr>
@@ -657,7 +657,7 @@
             <a:spLocks noGrp="1" noChangeArrowheads="1"/>
             <a:extLst>
               <a:ext uri="smNativeData">
-                <pr:smNativeData xmlns:pr="smNativeData" val="SMDATA_13_5C6yYxMAAAAlAAAAZAAAAA8BAAAAkAAAAEgAAACQAAAASAAAAAAAAAAAAAAAAQAAAAEAAABQAAAAAAAAAAAA4D8AAAAAAADgPwAAAAAAAOA/AAAAAAAA4D8AAAAAAADgPwAAAAAAAOA/AAAAAAAA4D8AAAAAAADgPwAAAAAAAOA/AAAAAAAA4D8CAAAAjAAAAAAAAAAAAAAAu+DjDP///wgAAAAAAAAAAAAAAAAAAAAAAAAAAAAAAAAAAAAAZAAAAAEAAABAAAAAAAAAAAAAAAAAAAAAAAAAAAAAAAAAAAAAAAAAAAAAAAAAAAAAAAAAAAAAAAAAAAAAAAAAAAAAAAAAAAAAAAAAAAAAAAAAAAAAAAAAAAAAAAAAAAAAFAAAADwAAAAAAAAAAAAAAAAAAAkUAAAAAQAAABQAAAAUAAAAFAAAAAEAAAAAAAAAZAAAAGQAAAAAAAAAZAAAAGQAAAAVAAAAYAAAAAAAAAAAAAAADwAAACADAAAAAAAAAAAAAAEAAACgMgAAVgcAAKr4//8BAAAAf39/AAEAAABkAAAAAAAAABQAAABAHwAAAAAAACYAAAAAAAAAwOD//wAAAAAmAAAAZAAAABYAAABMAAAAAAAAAAAAAAAEAAAAAAAAAAEAAACAgIAKAAAAACgAAAAoAAAAZAAAAGQAAAAAAAAAzMzMAAAAAABQAAAAUAAAAGQAAABkAAAAAAAAABcAAAAUAAAAAAAAAAAAAAD/fwAA/38AAAAAAAAJAAAABAAAAAAAAAAMAAAAEAAAAAAAAAAAAAAAAAAAAAAAAAAeAAAAaAAAAAAAAAAAAAAAAAAAAAAAAAAAAAAAECcAABAnAAAAAAAAAAAAAAAAAAAAAAAAAAAAAAAAAAAAAAAAAAAAABQAAAAAAAAAwMD/AAAAAABkAAAAMgAAAAAAAABkAAAAAAAAAH9/fwAKAAAAHwAAAFQAAAAAAAAFAAAAAQAAAAAAAAAAAAAAAAAAAAAAAAAAAAAAAAAAAAAAAAAAAAAAAn9/fwAAAAADzMzMAMDA/wB/f38AAAAAAAAAAAAAAAAAAAAAAAAAAAAhAAAAGAAAABQAAADQAgAAsAEAANgnAACwJQAAEAAAACYAAAAIAAAAAwAAAAAAAAA="/>
+                <pr:smNativeData xmlns:pr="smNativeData" val="SMDATA_13_4y+yYxMAAAAlAAAAZAAAAA8BAAAAkAAAAEgAAACQAAAASAAAAAAAAAAAAAAAAQAAAAEAAABQAAAAAAAAAAAA4D8AAAAAAADgPwAAAAAAAOA/AAAAAAAA4D8AAAAAAADgPwAAAAAAAOA/AAAAAAAA4D8AAAAAAADgPwAAAAAAAOA/AAAAAAAA4D8CAAAAjAAAAAAAAAAAAAAAu+DjDP///wgAAAAAAAAAAAAAAAAAAAAAAAAAAAAAAAAAAAAAZAAAAAEAAABAAAAAAAAAAAAAAAAAAAAAAAAAAAAAAAAAAAAAAAAAAAAAAAAAAAAAAAAAAAAAAAAAAAAAAAAAAAAAAAAAAAAAAAAAAAAAAAAAAAAAAAAAAAAAAAAAAAAAFAAAADwAAAAAAAAAAAAAAAAAAAkUAAAAAQAAABQAAAAUAAAAFAAAAAEAAAAAAAAAZAAAAGQAAAAAAAAAZAAAAGQAAAAVAAAAYAAAAAAAAAAAAAAADwAAACADAAAAAAAAAAAAAAEAAACgMgAAVgcAAKr4//8BAAAAf39/AAEAAABkAAAAAAAAABQAAABAHwAAAAAAACYAAAAAAAAAwOD//wAAAAAmAAAAZAAAABYAAABMAAAAAAAAAAAAAAAEAAAAAAAAAAEAAACAgIAKAAAAACgAAAAoAAAAZAAAAGQAAAAAAAAAzMzMAAAAAABQAAAAUAAAAGQAAABkAAAAAAAAABcAAAAUAAAAAAAAAAAAAAD/fwAA/38AAAAAAAAJAAAABAAAAAAAAAAMAAAAEAAAAAAAAAAAAAAAAAAAAAAAAAAeAAAAaAAAAAAAAAAAAAAAAAAAAAAAAAAAAAAAECcAABAnAAAAAAAAAAAAAAAAAAAAAAAAAAAAAAAAAAAAAAAAAAAAABQAAAAAAAAAwMD/AAAAAABkAAAAMgAAAAAAAABkAAAAAAAAAH9/fwAKAAAAHwAAAFQAAAAAAAAFAAAAAQAAAAAAAAAAAAAAAAAAAAAAAAAAAAAAAAAAAAAAAAAAAAAAAn9/fwAAAAADzMzMAMDA/wB/f38AAAAAAAAAAAAAAAAAAAAAAAAAAAAhAAAAGAAAABQAAADQAgAAsAEAANgnAACwJQAAEAAAACYAAAAIAAAAAwAAAAAAAAA="/>
               </a:ext>
             </a:extLst>
           </p:cNvSpPr>
@@ -717,7 +717,7 @@
             <a:spLocks noGrp="1" noChangeArrowheads="1"/>
             <a:extLst>
               <a:ext uri="smNativeData">
-                <pr:smNativeData xmlns:pr="smNativeData" val="SMDATA_13_5C6yYxMAAAAlAAAAZAAAAA8BAAAAkAAAAEgAAACQAAAASAAAAAAAAAABAAAAAAAAAAEAAABQAAAAAAAAAAAA4D8AAAAAAADgPwAAAAAAAOA/AAAAAAAA4D8AAAAAAADgPwAAAAAAAOA/AAAAAAAA4D8AAAAAAADgPwAAAAAAAOA/AAAAAAAA4D8CAAAAjAAAAAAAAAAAAAAAu+DjDP///wgAAAAAAAAAAAAAAAAAAAAAAAAAAAAAAAAAAAAAZAAAAAEAAABAAAAAAAAAAAAAAAAAAAAAAAAAAAAAAAAAAAAAAAAAAAAAAAAAAAAAAAAAAAAAAAAAAAAAAAAAAAAAAAAAAAAAAAAAAAAAAAAAAAAAAAAAAAAAAAAAAAAAFAAAADwAAAAAAAAAAAAAAAAAAAkUAAAAAQAAABQAAAAUAAAAFAAAAAEAAAAAAAAAZAAAAGQAAAAAAAAAZAAAAGQAAAAVAAAAYAAAAAAAAAAAAAAADwAAACADAAAAAAAAAAAAAAEAAACgMgAAVgcAAKr4//8BAAAAf39/AAEAAABkAAAAAAAAABQAAABAHwAAAAAAACYAAAAAAAAAwOD//wAAAAAmAAAAZAAAABYAAABMAAAAAAAAAAAAAAAEAAAAAAAAAAEAAACAgIAKAAAAACgAAAAoAAAAZAAAAGQAAAAAAAAAzMzMAAAAAABQAAAAUAAAAGQAAABkAAAAAAAAABcAAAAUAAAAAAAAAAAAAAD/fwAA/38AAAAAAAAJAAAABAAAAAAAAAAMAAAAEAAAAAAAAAAAAAAAAAAAAAAAAAAeAAAAaAAAAAAAAAAAAAAAAAAAAAAAAAAAAAAAECcAABAnAAAAAAAAAAAAAAAAAAAAAAAAAAAAAAAAAAAAAAAAAAAAABQAAAAAAAAAwMD/AAAAAABkAAAAMgAAAAAAAABkAAAAAAAAAH9/fwAKAAAAHwAAAFQAAAAAAAAFAAAAAQAAAAAAAAAAAAAAAAAAAAAAAAAAAAAAAAAAAAAAAAAAAAAAAn9/fwAAAAADzMzMAMDA/wB/f38AAAAAAAAAAAAAAAAAAAAAAAAAAAAhAAAAGAAAABQAAADQAgAAGycAAPAPAABZKQAAEAAAACYAAAAIAAAAAAAAAAAAAAA="/>
+                <pr:smNativeData xmlns:pr="smNativeData" val="SMDATA_13_4y+yYxMAAAAlAAAAZAAAAA8BAAAAkAAAAEgAAACQAAAASAAAAAAAAAABAAAAAAAAAAEAAABQAAAAAAAAAAAA4D8AAAAAAADgPwAAAAAAAOA/AAAAAAAA4D8AAAAAAADgPwAAAAAAAOA/AAAAAAAA4D8AAAAAAADgPwAAAAAAAOA/AAAAAAAA4D8CAAAAjAAAAAAAAAAAAAAAu+DjDP///wgAAAAAAAAAAAAAAAAAAAAAAAAAAAAAAAAAAAAAZAAAAAEAAABAAAAAAAAAAAAAAAAAAAAAAAAAAAAAAAAAAAAAAAAAAAAAAAAAAAAAAAAAAAAAAAAAAAAAAAAAAAAAAAAAAAAAAAAAAAAAAAAAAAAAAAAAAAAAAAAAAAAAFAAAADwAAAAAAAAAAAAAAAAAAAkUAAAAAQAAABQAAAAUAAAAFAAAAAEAAAAAAAAAZAAAAGQAAAAAAAAAZAAAAGQAAAAVAAAAYAAAAAAAAAAAAAAADwAAACADAAAAAAAAAAAAAAEAAACgMgAAVgcAAKr4//8BAAAAf39/AAEAAABkAAAAAAAAABQAAABAHwAAAAAAACYAAAAAAAAAwOD//wAAAAAmAAAAZAAAABYAAABMAAAAAAAAAAAAAAAEAAAAAAAAAAEAAACAgIAKAAAAACgAAAAoAAAAZAAAAGQAAAAAAAAAzMzMAAAAAABQAAAAUAAAAGQAAABkAAAAAAAAABcAAAAUAAAAAAAAAAAAAAD/fwAA/38AAAAAAAAJAAAABAAAAAAAAAAMAAAAEAAAAAAAAAAAAAAAAAAAAAAAAAAeAAAAaAAAAAAAAAAAAAAAAAAAAAAAAAAAAAAAECcAABAnAAAAAAAAAAAAAAAAAAAAAAAAAAAAAAAAAAAAAAAAAAAAABQAAAAAAAAAwMD/AAAAAABkAAAAMgAAAAAAAABkAAAAAAAAAH9/fwAKAAAAHwAAAFQAAAAAAAAFAAAAAQAAAAAAAAAAAAAAAAAAAAAAAAAAAAAAAAAAAAAAAAAAAAAAAn9/fwAAAAADzMzMAMDA/wB/f38AAAAAAAAAAAAAAAAAAAAAAAAAAAAhAAAAGAAAABQAAADQAgAAGycAAPAPAABZKQAAEAAAACYAAAAIAAAAAAAAAAAAAAA="/>
               </a:ext>
             </a:extLst>
           </p:cNvSpPr>
@@ -731,7 +731,7 @@
           <a:lstStyle/>
           <a:p>
             <a:pPr/>
-            <a:fld id="{06344D3A-74EB-61BB-A58C-82EE03C253D7}" type="datetime1">
+            <a:fld id="{0608F8D4-9AEB-5D0E-A5B0-6C5BB6FE5339}" type="datetime1">
               <a:t/>
             </a:fld>
           </a:p>
@@ -744,7 +744,7 @@
             <a:spLocks noGrp="1" noChangeArrowheads="1"/>
             <a:extLst>
               <a:ext uri="smNativeData">
-                <pr:smNativeData xmlns:pr="smNativeData" val="SMDATA_13_5C6yYxMAAAAlAAAAZAAAAA8BAAAAkAAAAEgAAACQAAAASAAAAAAAAAABAAAAAAAAAAEAAABQAAAAAAAAAAAA4D8AAAAAAADgPwAAAAAAAOA/AAAAAAAA4D8AAAAAAADgPwAAAAAAAOA/AAAAAAAA4D8AAAAAAADgPwAAAAAAAOA/AAAAAAAA4D8CAAAAjAAAAAAAAAAAAAAAu+DjDP///wgAAAAAAAAAAAAAAAAAAAAAAAAAAAAAAAAAAAAAZAAAAAEAAABAAAAAAAAAAAAAAAAAAAAAAAAAAAAAAAAAAAAAAAAAAAAAAAAAAAAAAAAAAAAAAAAAAAAAAAAAAAAAAAAAAAAAAAAAAAAAAAAAAAAAAAAAAAAAAAAAAAAAFAAAADwAAAAAAAAAAAAAAAAAAAkUAAAAAQAAABQAAAAUAAAAFAAAAAEAAAAAAAAAZAAAAGQAAAAAAAAAZAAAAGQAAAAVAAAAYAAAAAAAAAAAAAAADwAAACADAAAAAAAAAAAAAAEAAACgMgAAVgcAAKr4//8BAAAAf39/AAEAAABkAAAAAAAAABQAAABAHwAAAAAAACYAAAAAAAAAwOD//wAAAAAmAAAAZAAAABYAAABMAAAAAAAAAAAAAAAEAAAAAAAAAAEAAACAgIAKAAAAACgAAAAoAAAAZAAAAGQAAAAAAAAAzMzMAAAAAABQAAAAUAAAAGQAAABkAAAAAAAAABcAAAAUAAAAAAAAAAAAAAD/fwAA/38AAAAAAAAJAAAABAAAAAAAAAAMAAAAEAAAAAAAAAAAAAAAAAAAAAAAAAAeAAAAaAAAAAAAAAAAAAAAAAAAAAAAAAAAAAAAECcAABAnAAAAAAAAAAAAAAAAAAAAAAAAAAAAAAAAAAAAAAAAAAAAABQAAAAAAAAAwMD/AAAAAABkAAAAMgAAAAAAAABkAAAAAAAAAH9/fwAKAAAAHwAAAFQAAAAAAAAFAAAAAQAAAAAAAAAAAAAAAAAAAAAAAAAAAAAAAAAAAAAAAAAAAAAAAn9/fwAAAAADzMzMAMDA/wB/f38AAAAAAAAAAAAAAAAAAAAAAAAAAAAhAAAAGAAAABQAAAA4EwAAGycAAAglAABZKQAAEAAAACYAAAAIAAAAAAAAAAAAAAA="/>
+                <pr:smNativeData xmlns:pr="smNativeData" val="SMDATA_13_4y+yYxMAAAAlAAAAZAAAAA8BAAAAkAAAAEgAAACQAAAASAAAAAAAAAABAAAAAAAAAAEAAABQAAAAAAAAAAAA4D8AAAAAAADgPwAAAAAAAOA/AAAAAAAA4D8AAAAAAADgPwAAAAAAAOA/AAAAAAAA4D8AAAAAAADgPwAAAAAAAOA/AAAAAAAA4D8CAAAAjAAAAAAAAAAAAAAAu+DjDP///wgAAAAAAAAAAAAAAAAAAAAAAAAAAAAAAAAAAAAAZAAAAAEAAABAAAAAAAAAAAAAAAAAAAAAAAAAAAAAAAAAAAAAAAAAAAAAAAAAAAAAAAAAAAAAAAAAAAAAAAAAAAAAAAAAAAAAAAAAAAAAAAAAAAAAAAAAAAAAAAAAAAAAFAAAADwAAAAAAAAAAAAAAAAAAAkUAAAAAQAAABQAAAAUAAAAFAAAAAEAAAAAAAAAZAAAAGQAAAAAAAAAZAAAAGQAAAAVAAAAYAAAAAAAAAAAAAAADwAAACADAAAAAAAAAAAAAAEAAACgMgAAVgcAAKr4//8BAAAAf39/AAEAAABkAAAAAAAAABQAAABAHwAAAAAAACYAAAAAAAAAwOD//wAAAAAmAAAAZAAAABYAAABMAAAAAAAAAAAAAAAEAAAAAAAAAAEAAACAgIAKAAAAACgAAAAoAAAAZAAAAGQAAAAAAAAAzMzMAAAAAABQAAAAUAAAAGQAAABkAAAAAAAAABcAAAAUAAAAAAAAAAAAAAD/fwAA/38AAAAAAAAJAAAABAAAAAAAAAAMAAAAEAAAAAAAAAAAAAAAAAAAAAAAAAAeAAAAaAAAAAAAAAAAAAAAAAAAAAAAAAAAAAAAECcAABAnAAAAAAAAAAAAAAAAAAAAAAAAAAAAAAAAAAAAAAAAAAAAABQAAAAAAAAAwMD/AAAAAABkAAAAMgAAAAAAAABkAAAAAAAAAH9/fwAKAAAAHwAAAFQAAAAAAAAFAAAAAQAAAAAAAAAAAAAAAAAAAAAAAAAAAAAAAAAAAAAAAAAAAAAAAn9/fwAAAAADzMzMAMDA/wB/f38AAAAAAAAAAAAAAAAAAAAAAAAAAAAhAAAAGAAAABQAAAA4EwAAGycAAAglAABZKQAAEAAAACYAAAAIAAAAAAAAAAAAAAA="/>
               </a:ext>
             </a:extLst>
           </p:cNvSpPr>
@@ -768,7 +768,7 @@
             <a:spLocks noGrp="1" noChangeArrowheads="1"/>
             <a:extLst>
               <a:ext uri="smNativeData">
-                <pr:smNativeData xmlns:pr="smNativeData" val="SMDATA_13_5C6yYxMAAAAlAAAAZAAAAA8BAAAAkAAAAEgAAACQAAAASAAAAAAAAAABAAAAAAAAAAEAAABQAAAAAAAAAAAA4D8AAAAAAADgPwAAAAAAAOA/AAAAAAAA4D8AAAAAAADgPwAAAAAAAOA/AAAAAAAA4D8AAAAAAADgPwAAAAAAAOA/AAAAAAAA4D8CAAAAjAAAAAAAAAAAAAAAu+DjDP///wgAAAAAAAAAAAAAAAAAAAAAAAAAAAAAAAAAAAAAZAAAAAEAAABAAAAAAAAAAAAAAAAAAAAAAAAAAAAAAAAAAAAAAAAAAAAAAAAAAAAAAAAAAAAAAAAAAAAAAAAAAAAAAAAAAAAAAAAAAAAAAAAAAAAAAAAAAAAAAAAAAAAAFAAAADwAAAAAAAAAAAAAAAAAAAkUAAAAAQAAABQAAAAUAAAAFAAAAAEAAAAAAAAAZAAAAGQAAAAAAAAAZAAAAGQAAAAVAAAAYAAAAAAAAAAAAAAADwAAACADAAAAAAAAAAAAAAEAAACgMgAAVgcAAKr4//8BAAAAf39/AAEAAABkAAAAAAAAABQAAABAHwAAAAAAACYAAAAAAAAAwOD//wAAAAAmAAAAZAAAABYAAABMAAAAAAAAAAAAAAAEAAAAAAAAAAEAAACAgIAKAAAAACgAAAAoAAAAZAAAAGQAAAAAAAAAzMzMAAAAAABQAAAAUAAAAGQAAABkAAAAAAAAABcAAAAUAAAAAAAAAAAAAAD/fwAA/38AAAAAAAAJAAAABAAAAAAAAAAMAAAAEAAAAAAAAAAAAAAAAAAAAAAAAAAeAAAAaAAAAAAAAAAAAAAAAAAAAAAAAAAAAAAAECcAABAnAAAAAAAAAAAAAAAAAAAAAAAAAAAAAAAAAAAAAAAAAAAAABQAAAAAAAAAwMD/AAAAAABkAAAAMgAAAAAAAABkAAAAAAAAAH9/fwAKAAAAHwAAAFQAAAAAAAAFAAAAAQAAAAAAAAAAAAAAAAAAAAAAAAAAAAAAAAAAAAAAAAAAAAAAAn9/fwAAAAADzMzMAMDA/wB/f38AAAAAAAAAAAAAAAAAAAAAAAAAAAAhAAAAGAAAABQAAABQKAAAGycAAHA1AABZKQAAEAAAACYAAAAIAAAAAAAAAAAAAAA="/>
+                <pr:smNativeData xmlns:pr="smNativeData" val="SMDATA_13_4y+yYxMAAAAlAAAAZAAAAA8BAAAAkAAAAEgAAACQAAAASAAAAAAAAAABAAAAAAAAAAEAAABQAAAAAAAAAAAA4D8AAAAAAADgPwAAAAAAAOA/AAAAAAAA4D8AAAAAAADgPwAAAAAAAOA/AAAAAAAA4D8AAAAAAADgPwAAAAAAAOA/AAAAAAAA4D8CAAAAjAAAAAAAAAAAAAAAu+DjDP///wgAAAAAAAAAAAAAAAAAAAAAAAAAAAAAAAAAAAAAZAAAAAEAAABAAAAAAAAAAAAAAAAAAAAAAAAAAAAAAAAAAAAAAAAAAAAAAAAAAAAAAAAAAAAAAAAAAAAAAAAAAAAAAAAAAAAAAAAAAAAAAAAAAAAAAAAAAAAAAAAAAAAAFAAAADwAAAAAAAAAAAAAAAAAAAkUAAAAAQAAABQAAAAUAAAAFAAAAAEAAAAAAAAAZAAAAGQAAAAAAAAAZAAAAGQAAAAVAAAAYAAAAAAAAAAAAAAADwAAACADAAAAAAAAAAAAAAEAAACgMgAAVgcAAKr4//8BAAAAf39/AAEAAABkAAAAAAAAABQAAABAHwAAAAAAACYAAAAAAAAAwOD//wAAAAAmAAAAZAAAABYAAABMAAAAAAAAAAAAAAAEAAAAAAAAAAEAAACAgIAKAAAAACgAAAAoAAAAZAAAAGQAAAAAAAAAzMzMAAAAAABQAAAAUAAAAGQAAABkAAAAAAAAABcAAAAUAAAAAAAAAAAAAAD/fwAA/38AAAAAAAAJAAAABAAAAAAAAAAMAAAAEAAAAAAAAAAAAAAAAAAAAAAAAAAeAAAAaAAAAAAAAAAAAAAAAAAAAAAAAAAAAAAAECcAABAnAAAAAAAAAAAAAAAAAAAAAAAAAAAAAAAAAAAAAAAAAAAAABQAAAAAAAAAwMD/AAAAAABkAAAAMgAAAAAAAABkAAAAAAAAAH9/fwAKAAAAHwAAAFQAAAAAAAAFAAAAAQAAAAAAAAAAAAAAAAAAAAAAAAAAAAAAAAAAAAAAAAAAAAAAAn9/fwAAAAADzMzMAMDA/wB/f38AAAAAAAAAAAAAAAAAAAAAAAAAAAAhAAAAGAAAABQAAABQKAAAGycAAHA1AABZKQAAEAAAACYAAAAIAAAAAAAAAAAAAAA="/>
               </a:ext>
             </a:extLst>
           </p:cNvSpPr>
@@ -782,7 +782,7 @@
           <a:lstStyle/>
           <a:p>
             <a:pPr/>
-            <a:fld id="{06343C62-2CEB-61CA-A58C-DA9F72C2538F}" type="slidenum">
+            <a:fld id="{0608C3A0-EEEB-5D35-A5B0-18608DFE534D}" type="slidenum">
               <a:t/>
             </a:fld>
           </a:p>
@@ -820,7 +820,7 @@
             <a:spLocks noGrp="1" noChangeArrowheads="1"/>
             <a:extLst>
               <a:ext uri="smNativeData">
-                <pr:smNativeData xmlns:pr="smNativeData" val="SMDATA_13_5C6yYxMAAAAlAAAAZAAAAA8BAAAAkAAAAEgAAACQAAAASAAAAAAAAAABAAAAAAAAAAEAAABQAAAAAAAAAAAA4D8AAAAAAADgPwAAAAAAAOA/AAAAAAAA4D8AAAAAAADgPwAAAAAAAOA/AAAAAAAA4D8AAAAAAADgPwAAAAAAAOA/AAAAAAAA4D8CAAAAjAAAAAAAAAAAAAAAu+DjDP///wgAAAAAAAAAAAAAAAAAAAAAAAAAAAAAAAAAAAAAZAAAAAEAAABAAAAAAAAAAAAAAAAAAAAAAAAAAAAAAAAAAAAAAAAAAAAAAAAAAAAAAAAAAAAAAAAAAAAAAAAAAAAAAAAAAAAAAAAAAAAAAAAAAAAAAAAAAAAAAAAAAAAAFAAAADwAAAAAAAAAAAAAAAAAAAkUAAAAAQAAABQAAAAUAAAAFAAAAAEAAAAAAAAAZAAAAGQAAAAAAAAAZAAAAGQAAAAVAAAAYAAAAAAAAAAAAAAADwAAACADAAAAAAAAAAAAAAEAAACgMgAAVgcAAKr4//8BAAAAf39/AAEAAABkAAAAAAAAABQAAABAHwAAAAAAACYAAAAAAAAAwOD//wAAAAAmAAAAZAAAABYAAABMAAAAAAAAAAAAAAAEAAAAAAAAAAEAAACAgIAKAAAAACgAAAAoAAAAZAAAAGQAAAAAAAAAzMzMAAAAAABQAAAAUAAAAGQAAABkAAAAAAAAABcAAAAUAAAAAAAAAAAAAAD/fwAA/38AAAAAAAAJAAAABAAAAE4AbwAMAAAAEAAAAAAAAAAAAAAAAAAAAAAAAAAeAAAAaAAAAAAAAAAAAAAAAAAAAAAAAAAAAAAAECcAABAnAAAAAAAAAAAAAAAAAAAAAAAAAAAAAAAAAAAAAAAAAAAAABQAAAAAAAAAwMD/AAAAAABkAAAAMgAAAAAAAABkAAAAAAAAAH9/fwAKAAAAHwAAAFQAAAAAAAAFAAAAAQAAAAAAAAAAAAAAAAAAAAAAAAAAAAAAAAAAAAAAAAAAAAAAAn9/fwAAAAADzMzMAMDA/wB/f38AAAAAAAAAAAAAAAAAAAAAAAAAAAAhAAAAGAAAABQAAADQAgAAsAEAAHA1AAC4CAAAEAAAACYAAAAIAAAAAAAAAAAAAAA="/>
+                <pr:smNativeData xmlns:pr="smNativeData" val="SMDATA_13_4y+yYxMAAAAlAAAAZAAAAA8BAAAAkAAAAEgAAACQAAAASAAAAAAAAAABAAAAAAAAAAEAAABQAAAAAAAAAAAA4D8AAAAAAADgPwAAAAAAAOA/AAAAAAAA4D8AAAAAAADgPwAAAAAAAOA/AAAAAAAA4D8AAAAAAADgPwAAAAAAAOA/AAAAAAAA4D8CAAAAjAAAAAAAAAAAAAAAu+DjDP///wgAAAAAAAAAAAAAAAAAAAAAAAAAAAAAAAAAAAAAZAAAAAEAAABAAAAAAAAAAAAAAAAAAAAAAAAAAAAAAAAAAAAAAAAAAAAAAAAAAAAAAAAAAAAAAAAAAAAAAAAAAAAAAAAAAAAAAAAAAAAAAAAAAAAAAAAAAAAAAAAAAAAAFAAAADwAAAAAAAAAAAAAAAAAAAkUAAAAAQAAABQAAAAUAAAAFAAAAAEAAAAAAAAAZAAAAGQAAAAAAAAAZAAAAGQAAAAVAAAAYAAAAAAAAAAAAAAADwAAACADAAAAAAAAAAAAAAEAAACgMgAAVgcAAKr4//8BAAAAf39/AAEAAABkAAAAAAAAABQAAABAHwAAAAAAACYAAAAAAAAAwOD//wAAAAAmAAAAZAAAABYAAABMAAAAAAAAAAAAAAAEAAAAAAAAAAEAAACAgIAKAAAAACgAAAAoAAAAZAAAAGQAAAAAAAAAzMzMAAAAAABQAAAAUAAAAGQAAABkAAAAAAAAABcAAAAUAAAAAAAAAAAAAAD/fwAA/38AAAAAAAAJAAAABAAAAE4AbwAMAAAAEAAAAAAAAAAAAAAAAAAAAAAAAAAeAAAAaAAAAAAAAAAAAAAAAAAAAAAAAAAAAAAAECcAABAnAAAAAAAAAAAAAAAAAAAAAAAAAAAAAAAAAAAAAAAAAAAAABQAAAAAAAAAwMD/AAAAAABkAAAAMgAAAAAAAABkAAAAAAAAAH9/fwAKAAAAHwAAAFQAAAAAAAAFAAAAAQAAAAAAAAAAAAAAAAAAAAAAAAAAAAAAAAAAAAAAAAAAAAAAAn9/fwAAAAADzMzMAMDA/wB/f38AAAAAAAAAAAAAAAAAAAAAAAAAAAAhAAAAGAAAABQAAADQAgAAsAEAAHA1AAC4CAAAEAAAACYAAAAIAAAAAAAAAAAAAAA="/>
               </a:ext>
             </a:extLst>
           </p:cNvSpPr>
@@ -847,7 +847,7 @@
             <a:spLocks noGrp="1" noChangeArrowheads="1"/>
             <a:extLst>
               <a:ext uri="smNativeData">
-                <pr:smNativeData xmlns:pr="smNativeData" val="SMDATA_13_5C6yYxMAAAAlAAAAZAAAAA8BAAAAkAAAAEgAAACQAAAASAAAAAAAAAAAAAAAAAAAAAEAAABQAAAAAAAAAAAA4D8AAAAAAADgPwAAAAAAAOA/AAAAAAAA4D8AAAAAAADgPwAAAAAAAOA/AAAAAAAA4D8AAAAAAADgPwAAAAAAAOA/AAAAAAAA4D8CAAAAjAAAAAAAAAAAAAAAu+DjDP///wgAAAAAAAAAAAAAAAAAAAAAAAAAAAAAAAAAAAAAZAAAAAEAAABAAAAAAAAAAAAAAAAAAAAAAAAAAAAAAAAAAAAAAAAAAAAAAAAAAAAAAAAAAAAAAAAAAAAAAAAAAAAAAAAAAAAAAAAAAAAAAAAAAAAAAAAAAAAAAAAAAAAAFAAAADwAAAAAAAAAAAAAAAAAAAkUAAAAAQAAABQAAAAUAAAAFAAAAAEAAAAAAAAAZAAAAGQAAAAAAAAAZAAAAGQAAAAVAAAAYAAAAAAAAAAAAAAADwAAACADAAAAAAAAAAAAAAEAAACgMgAAVgcAAKr4//8BAAAAf39/AAEAAABkAAAAAAAAABQAAABAHwAAAAAAACYAAAAAAAAAwOD//wAAAAAmAAAAZAAAABYAAABMAAAAAAAAAAAAAAAEAAAAAAAAAAEAAACAgIAKAAAAACgAAAAoAAAAZAAAAGQAAAAAAAAAzMzMAAAAAABQAAAAUAAAAGQAAABkAAAAAAAAABcAAAAUAAAAAAAAAAAAAAD/fwAA/38AAAAAAAAJAAAABAAAAAAAAAAMAAAAEAAAAAAAAAAAAAAAAAAAAAAAAAAeAAAAaAAAAAAAAAAAAAAAAAAAAAAAAAAAAAAAECcAABAnAAAAAAAAAAAAAAAAAAAAAAAAAAAAAAAAAAAAAAAAAAAAABQAAAAAAAAAwMD/AAAAAABkAAAAMgAAAAAAAABkAAAAAAAAAH9/fwAKAAAAHwAAAFQAAAAAAAAFAAAAAQAAAAAAAAAAAAAAAAAAAAAAAAAAAAAAAAAAAAAAAAAAAAAAAn9/fwAAAAADzMzMAMDA/wB/f38AAAAAAAAAAAAAAAAAAAAAAAAAAAAhAAAAGAAAABQAAADQAgAA2AkAAHA1AACwJQAAEAAAACYAAAAIAAAAAAAAAAAAAAA="/>
+                <pr:smNativeData xmlns:pr="smNativeData" val="SMDATA_13_4y+yYxMAAAAlAAAAZAAAAA8BAAAAkAAAAEgAAACQAAAASAAAAAAAAAAAAAAAAAAAAAEAAABQAAAAAAAAAAAA4D8AAAAAAADgPwAAAAAAAOA/AAAAAAAA4D8AAAAAAADgPwAAAAAAAOA/AAAAAAAA4D8AAAAAAADgPwAAAAAAAOA/AAAAAAAA4D8CAAAAjAAAAAAAAAAAAAAAu+DjDP///wgAAAAAAAAAAAAAAAAAAAAAAAAAAAAAAAAAAAAAZAAAAAEAAABAAAAAAAAAAAAAAAAAAAAAAAAAAAAAAAAAAAAAAAAAAAAAAAAAAAAAAAAAAAAAAAAAAAAAAAAAAAAAAAAAAAAAAAAAAAAAAAAAAAAAAAAAAAAAAAAAAAAAFAAAADwAAAAAAAAAAAAAAAAAAAkUAAAAAQAAABQAAAAUAAAAFAAAAAEAAAAAAAAAZAAAAGQAAAAAAAAAZAAAAGQAAAAVAAAAYAAAAAAAAAAAAAAADwAAACADAAAAAAAAAAAAAAEAAACgMgAAVgcAAKr4//8BAAAAf39/AAEAAABkAAAAAAAAABQAAABAHwAAAAAAACYAAAAAAAAAwOD//wAAAAAmAAAAZAAAABYAAABMAAAAAAAAAAAAAAAEAAAAAAAAAAEAAACAgIAKAAAAACgAAAAoAAAAZAAAAGQAAAAAAAAAzMzMAAAAAABQAAAAUAAAAGQAAABkAAAAAAAAABcAAAAUAAAAAAAAAAAAAAD/fwAA/38AAAAAAAAJAAAABAAAAAAAAAAMAAAAEAAAAAAAAAAAAAAAAAAAAAAAAAAeAAAAaAAAAAAAAAAAAAAAAAAAAAAAAAAAAAAAECcAABAnAAAAAAAAAAAAAAAAAAAAAAAAAAAAAAAAAAAAAAAAAAAAABQAAAAAAAAAwMD/AAAAAABkAAAAMgAAAAAAAABkAAAAAAAAAH9/fwAKAAAAHwAAAFQAAAAAAAAFAAAAAQAAAAAAAAAAAAAAAAAAAAAAAAAAAAAAAAAAAAAAAAAAAAAAAn9/fwAAAAADzMzMAMDA/wB/f38AAAAAAAAAAAAAAAAAAAAAAAAAAAAhAAAAGAAAABQAAADQAgAA2AkAAHA1AACwJQAAEAAAACYAAAAIAAAAAAAAAAAAAAA="/>
               </a:ext>
             </a:extLst>
           </p:cNvSpPr>
@@ -898,7 +898,7 @@
             <a:spLocks noGrp="1" noChangeArrowheads="1"/>
             <a:extLst>
               <a:ext uri="smNativeData">
-                <pr:smNativeData xmlns:pr="smNativeData" val="SMDATA_13_5C6yYxMAAAAlAAAAZAAAAA8BAAAAkAAAAEgAAACQAAAASAAAAAAAAAABAAAAAAAAAAEAAABQAAAAAAAAAAAA4D8AAAAAAADgPwAAAAAAAOA/AAAAAAAA4D8AAAAAAADgPwAAAAAAAOA/AAAAAAAA4D8AAAAAAADgPwAAAAAAAOA/AAAAAAAA4D8CAAAAjAAAAAAAAAAAAAAAu+DjDP///wgAAAAAAAAAAAAAAAAAAAAAAAAAAAAAAAAAAAAAZAAAAAEAAABAAAAAAAAAAAAAAAAAAAAAAAAAAAAAAAAAAAAAAAAAAAAAAAAAAAAAAAAAAAAAAAAAAAAAAAAAAAAAAAAAAAAAAAAAAAAAAAAAAAAAAAAAAAAAAAAAAAAAFAAAADwAAAAAAAAAAAAAAAAAAAkUAAAAAQAAABQAAAAUAAAAFAAAAAEAAAAAAAAAZAAAAGQAAAAAAAAAZAAAAGQAAAAVAAAAYAAAAAAAAAAAAAAADwAAACADAAAAAAAAAAAAAAEAAACgMgAAVgcAAKr4//8BAAAAf39/AAEAAABkAAAAAAAAABQAAABAHwAAAAAAACYAAAAAAAAAwOD//wAAAAAmAAAAZAAAABYAAABMAAAAAAAAAAAAAAAEAAAAAAAAAAEAAACAgIAKAAAAACgAAAAoAAAAZAAAAGQAAAAAAAAAzMzMAAAAAABQAAAAUAAAAGQAAABkAAAAAAAAABcAAAAUAAAAAAAAAAAAAAD/fwAA/38AAAAAAAAJAAAABAAAAFwAQwAMAAAAEAAAAAAAAAAAAAAAAAAAAAAAAAAeAAAAaAAAAAAAAAAAAAAAAAAAAAAAAAAAAAAAECcAABAnAAAAAAAAAAAAAAAAAAAAAAAAAAAAAAAAAAAAAAAAAAAAABQAAAAAAAAAwMD/AAAAAABkAAAAMgAAAAAAAABkAAAAAAAAAH9/fwAKAAAAHwAAAFQAAAAAAAAFAAAAAQAAAAAAAAAAAAAAAAAAAAAAAAAAAAAAAAAAAAAAAAAAAAAAAn9/fwAAAAADzMzMAMDA/wB/f38AAAAAAAAAAAAAAAAAAAAAAAAAAAAhAAAAGAAAABQAAADQAgAAGycAAPAPAABZKQAAEAAAACYAAAAIAAAAAAAAAAAAAAA="/>
+                <pr:smNativeData xmlns:pr="smNativeData" val="SMDATA_13_4y+yYxMAAAAlAAAAZAAAAA8BAAAAkAAAAEgAAACQAAAASAAAAAAAAAABAAAAAAAAAAEAAABQAAAAAAAAAAAA4D8AAAAAAADgPwAAAAAAAOA/AAAAAAAA4D8AAAAAAADgPwAAAAAAAOA/AAAAAAAA4D8AAAAAAADgPwAAAAAAAOA/AAAAAAAA4D8CAAAAjAAAAAAAAAAAAAAAu+DjDP///wgAAAAAAAAAAAAAAAAAAAAAAAAAAAAAAAAAAAAAZAAAAAEAAABAAAAAAAAAAAAAAAAAAAAAAAAAAAAAAAAAAAAAAAAAAAAAAAAAAAAAAAAAAAAAAAAAAAAAAAAAAAAAAAAAAAAAAAAAAAAAAAAAAAAAAAAAAAAAAAAAAAAAFAAAADwAAAAAAAAAAAAAAAAAAAkUAAAAAQAAABQAAAAUAAAAFAAAAAEAAAAAAAAAZAAAAGQAAAAAAAAAZAAAAGQAAAAVAAAAYAAAAAAAAAAAAAAADwAAACADAAAAAAAAAAAAAAEAAACgMgAAVgcAAKr4//8BAAAAf39/AAEAAABkAAAAAAAAABQAAABAHwAAAAAAACYAAAAAAAAAwOD//wAAAAAmAAAAZAAAABYAAABMAAAAAAAAAAAAAAAEAAAAAAAAAAEAAACAgIAKAAAAACgAAAAoAAAAZAAAAGQAAAAAAAAAzMzMAAAAAABQAAAAUAAAAGQAAABkAAAAAAAAABcAAAAUAAAAAAAAAAAAAAD/fwAA/38AAAAAAAAJAAAABAAAAFwAQwAMAAAAEAAAAAAAAAAAAAAAAAAAAAAAAAAeAAAAaAAAAAAAAAAAAAAAAAAAAAAAAAAAAAAAECcAABAnAAAAAAAAAAAAAAAAAAAAAAAAAAAAAAAAAAAAAAAAAAAAABQAAAAAAAAAwMD/AAAAAABkAAAAMgAAAAAAAABkAAAAAAAAAH9/fwAKAAAAHwAAAFQAAAAAAAAFAAAAAQAAAAAAAAAAAAAAAAAAAAAAAAAAAAAAAAAAAAAAAAAAAAAAAn9/fwAAAAADzMzMAMDA/wB/f38AAAAAAAAAAAAAAAAAAAAAAAAAAAAhAAAAGAAAABQAAADQAgAAGycAAPAPAABZKQAAEAAAACYAAAAIAAAAAAAAAAAAAAA="/>
               </a:ext>
             </a:extLst>
           </p:cNvSpPr>
@@ -912,7 +912,7 @@
           <a:lstStyle/>
           <a:p>
             <a:pPr/>
-            <a:fld id="{06342DB1-FFEB-61DB-A58C-098E63C2535C}" type="datetime1">
+            <a:fld id="{0608CCB0-FEEB-5D3A-A5B0-086F82FE535D}" type="datetime1">
               <a:t/>
             </a:fld>
           </a:p>
@@ -925,7 +925,7 @@
             <a:spLocks noGrp="1" noChangeArrowheads="1"/>
             <a:extLst>
               <a:ext uri="smNativeData">
-                <pr:smNativeData xmlns:pr="smNativeData" val="SMDATA_13_5C6yYxMAAAAlAAAAZAAAAA8BAAAAkAAAAEgAAACQAAAASAAAAAAAAAABAAAAAAAAAAEAAABQAAAAAAAAAAAA4D8AAAAAAADgPwAAAAAAAOA/AAAAAAAA4D8AAAAAAADgPwAAAAAAAOA/AAAAAAAA4D8AAAAAAADgPwAAAAAAAOA/AAAAAAAA4D8CAAAAjAAAAAAAAAAAAAAAu+DjDP///wgAAAAAAAAAAAAAAAAAAAAAAAAAAAAAAAAAAAAAZAAAAAEAAABAAAAAAAAAAAAAAAAAAAAAAAAAAAAAAAAAAAAAAAAAAAAAAAAAAAAAAAAAAAAAAAAAAAAAAAAAAAAAAAAAAAAAAAAAAAAAAAAAAAAAAAAAAAAAAAAAAAAAFAAAADwAAAAAAAAAAAAAAAAAAAkUAAAAAQAAABQAAAAUAAAAFAAAAAEAAAAAAAAAZAAAAGQAAAAAAAAAZAAAAGQAAAAVAAAAYAAAAAAAAAAAAAAADwAAACADAAAAAAAAAAAAAAEAAACgMgAAVgcAAKr4//8BAAAAf39/AAEAAABkAAAAAAAAABQAAABAHwAAAAAAACYAAAAAAAAAwOD//wAAAAAmAAAAZAAAABYAAABMAAAAAAAAAAAAAAAEAAAAAAAAAAEAAACAgIAKAAAAACgAAAAoAAAAZAAAAGQAAAAAAAAAzMzMAAAAAABQAAAAUAAAAGQAAABkAAAAAAAAABcAAAAUAAAAAAAAAAAAAAD/fwAA/38AAAAAAAAJAAAABAAAAElJSf8MAAAAEAAAAAAAAAAAAAAAAAAAAAAAAAAeAAAAaAAAAAAAAAAAAAAAAAAAAAAAAAAAAAAAECcAABAnAAAAAAAAAAAAAAAAAAAAAAAAAAAAAAAAAAAAAAAAAAAAABQAAAAAAAAAwMD/AAAAAABkAAAAMgAAAAAAAABkAAAAAAAAAH9/fwAKAAAAHwAAAFQAAAAAAAAFAAAAAQAAAAAAAAAAAAAAAAAAAAAAAAAAAAAAAAAAAAAAAAAAAAAAAn9/fwAAAAADzMzMAMDA/wB/f38AAAAAAAAAAAAAAAAAAAAAAAAAAAAhAAAAGAAAABQAAAA4EwAAGycAAAglAABZKQAAEAAAACYAAAAIAAAAAAAAAAAAAAA="/>
+                <pr:smNativeData xmlns:pr="smNativeData" val="SMDATA_13_4y+yYxMAAAAlAAAAZAAAAA8BAAAAkAAAAEgAAACQAAAASAAAAAAAAAABAAAAAAAAAAEAAABQAAAAAAAAAAAA4D8AAAAAAADgPwAAAAAAAOA/AAAAAAAA4D8AAAAAAADgPwAAAAAAAOA/AAAAAAAA4D8AAAAAAADgPwAAAAAAAOA/AAAAAAAA4D8CAAAAjAAAAAAAAAAAAAAAu+DjDP///wgAAAAAAAAAAAAAAAAAAAAAAAAAAAAAAAAAAAAAZAAAAAEAAABAAAAAAAAAAAAAAAAAAAAAAAAAAAAAAAAAAAAAAAAAAAAAAAAAAAAAAAAAAAAAAAAAAAAAAAAAAAAAAAAAAAAAAAAAAAAAAAAAAAAAAAAAAAAAAAAAAAAAFAAAADwAAAAAAAAAAAAAAAAAAAkUAAAAAQAAABQAAAAUAAAAFAAAAAEAAAAAAAAAZAAAAGQAAAAAAAAAZAAAAGQAAAAVAAAAYAAAAAAAAAAAAAAADwAAACADAAAAAAAAAAAAAAEAAACgMgAAVgcAAKr4//8BAAAAf39/AAEAAABkAAAAAAAAABQAAABAHwAAAAAAACYAAAAAAAAAwOD//wAAAAAmAAAAZAAAABYAAABMAAAAAAAAAAAAAAAEAAAAAAAAAAEAAACAgIAKAAAAACgAAAAoAAAAZAAAAGQAAAAAAAAAzMzMAAAAAABQAAAAUAAAAGQAAABkAAAAAAAAABcAAAAUAAAAAAAAAAAAAAD/fwAA/38AAAAAAAAJAAAABAAAAElJSf8MAAAAEAAAAAAAAAAAAAAAAAAAAAAAAAAeAAAAaAAAAAAAAAAAAAAAAAAAAAAAAAAAAAAAECcAABAnAAAAAAAAAAAAAAAAAAAAAAAAAAAAAAAAAAAAAAAAAAAAABQAAAAAAAAAwMD/AAAAAABkAAAAMgAAAAAAAABkAAAAAAAAAH9/fwAKAAAAHwAAAFQAAAAAAAAFAAAAAQAAAAAAAAAAAAAAAAAAAAAAAAAAAAAAAAAAAAAAAAAAAAAAAn9/fwAAAAADzMzMAMDA/wB/f38AAAAAAAAAAAAAAAAAAAAAAAAAAAAhAAAAGAAAABQAAAA4EwAAGycAAAglAABZKQAAEAAAACYAAAAIAAAAAAAAAAAAAAA="/>
               </a:ext>
             </a:extLst>
           </p:cNvSpPr>
@@ -949,7 +949,7 @@
             <a:spLocks noGrp="1" noChangeArrowheads="1"/>
             <a:extLst>
               <a:ext uri="smNativeData">
-                <pr:smNativeData xmlns:pr="smNativeData" val="SMDATA_13_5C6yYxMAAAAlAAAAZAAAAA8BAAAAkAAAAEgAAACQAAAASAAAAAAAAAABAAAAAAAAAAEAAABQAAAAAAAAAAAA4D8AAAAAAADgPwAAAAAAAOA/AAAAAAAA4D8AAAAAAADgPwAAAAAAAOA/AAAAAAAA4D8AAAAAAADgPwAAAAAAAOA/AAAAAAAA4D8CAAAAjAAAAAAAAAAAAAAAu+DjDP///wgAAAAAAAAAAAAAAAAAAAAAAAAAAAAAAAAAAAAAZAAAAAEAAABAAAAAAAAAAAAAAAAAAAAAAAAAAAAAAAAAAAAAAAAAAAAAAAAAAAAAAAAAAAAAAAAAAAAAAAAAAAAAAAAAAAAAAAAAAAAAAAAAAAAAAAAAAAAAAAAAAAAAFAAAADwAAAAAAAAAAAAAAAAAAAkUAAAAAQAAABQAAAAUAAAAFAAAAAEAAAAAAAAAZAAAAGQAAAAAAAAAZAAAAGQAAAAVAAAAYAAAAAAAAAAAAAAADwAAACADAAAAAAAAAAAAAAEAAACgMgAAVgcAAKr4//8BAAAAf39/AAEAAABkAAAAAAAAABQAAABAHwAAAAAAACYAAAAAAAAAwOD//wAAAAAmAAAAZAAAABYAAABMAAAAAAAAAAAAAAAEAAAAAAAAAAEAAACAgIAKAAAAACgAAAAoAAAAZAAAAGQAAAAAAAAAzMzMAAAAAABQAAAAUAAAAGQAAABkAAAAAAAAABcAAAAUAAAAAAAAAAAAAAD/fwAA/38AAAAAAAAJAAAABAAAAAAAAAAMAAAAEAAAAAAAAAAAAAAAAAAAAAAAAAAeAAAAaAAAAAAAAAAAAAAAAAAAAAAAAAAAAAAAECcAABAnAAAAAAAAAAAAAAAAAAAAAAAAAAAAAAAAAAAAAAAAAAAAABQAAAAAAAAAwMD/AAAAAABkAAAAMgAAAAAAAABkAAAAAAAAAH9/fwAKAAAAHwAAAFQAAAAAAAAFAAAAAQAAAAAAAAAAAAAAAAAAAAAAAAAAAAAAAAAAAAAAAAAAAAAAAn9/fwAAAAADzMzMAMDA/wB/f38AAAAAAAAAAAAAAAAAAAAAAAAAAAAhAAAAGAAAABQAAABQKAAAGycAAHA1AABZKQAAEAAAACYAAAAIAAAAAAAAAAAAAAA="/>
+                <pr:smNativeData xmlns:pr="smNativeData" val="SMDATA_13_4y+yYxMAAAAlAAAAZAAAAA8BAAAAkAAAAEgAAACQAAAASAAAAAAAAAABAAAAAAAAAAEAAABQAAAAAAAAAAAA4D8AAAAAAADgPwAAAAAAAOA/AAAAAAAA4D8AAAAAAADgPwAAAAAAAOA/AAAAAAAA4D8AAAAAAADgPwAAAAAAAOA/AAAAAAAA4D8CAAAAjAAAAAAAAAAAAAAAu+DjDP///wgAAAAAAAAAAAAAAAAAAAAAAAAAAAAAAAAAAAAAZAAAAAEAAABAAAAAAAAAAAAAAAAAAAAAAAAAAAAAAAAAAAAAAAAAAAAAAAAAAAAAAAAAAAAAAAAAAAAAAAAAAAAAAAAAAAAAAAAAAAAAAAAAAAAAAAAAAAAAAAAAAAAAFAAAADwAAAAAAAAAAAAAAAAAAAkUAAAAAQAAABQAAAAUAAAAFAAAAAEAAAAAAAAAZAAAAGQAAAAAAAAAZAAAAGQAAAAVAAAAYAAAAAAAAAAAAAAADwAAACADAAAAAAAAAAAAAAEAAACgMgAAVgcAAKr4//8BAAAAf39/AAEAAABkAAAAAAAAABQAAABAHwAAAAAAACYAAAAAAAAAwOD//wAAAAAmAAAAZAAAABYAAABMAAAAAAAAAAAAAAAEAAAAAAAAAAEAAACAgIAKAAAAACgAAAAoAAAAZAAAAGQAAAAAAAAAzMzMAAAAAABQAAAAUAAAAGQAAABkAAAAAAAAABcAAAAUAAAAAAAAAAAAAAD/fwAA/38AAAAAAAAJAAAABAAAAAAAAAAMAAAAEAAAAAAAAAAAAAAAAAAAAAAAAAAeAAAAaAAAAAAAAAAAAAAAAAAAAAAAAAAAAAAAECcAABAnAAAAAAAAAAAAAAAAAAAAAAAAAAAAAAAAAAAAAAAAAAAAABQAAAAAAAAAwMD/AAAAAABkAAAAMgAAAAAAAABkAAAAAAAAAH9/fwAKAAAAHwAAAFQAAAAAAAAFAAAAAQAAAAAAAAAAAAAAAAAAAAAAAAAAAAAAAAAAAAAAAAAAAAAAAn9/fwAAAAADzMzMAMDA/wB/f38AAAAAAAAAAAAAAAAAAAAAAAAAAAAhAAAAGAAAABQAAABQKAAAGycAAHA1AABZKQAAEAAAACYAAAAIAAAAAAAAAAAAAAA="/>
               </a:ext>
             </a:extLst>
           </p:cNvSpPr>
@@ -963,7 +963,7 @@
           <a:lstStyle/>
           <a:p>
             <a:pPr/>
-            <a:fld id="{06345343-0DEB-61A5-A58C-FBF01DC253AE}" type="slidenum">
+            <a:fld id="{0608DEFA-B4EB-5D28-A5B0-427D90FE5317}" type="slidenum">
               <a:t/>
             </a:fld>
           </a:p>
@@ -1001,7 +1001,7 @@
             <a:spLocks noGrp="1" noChangeArrowheads="1"/>
             <a:extLst>
               <a:ext uri="smNativeData">
-                <pr:smNativeData xmlns:pr="smNativeData" val="SMDATA_13_5C6yYxMAAAAlAAAAZAAAAA8BAAAAkAAAAEgAAACQAAAASAAAAAAAAAAAAAAAAAAAAAEAAABQAAAAAAAAAAAA4D8AAAAAAADgPwAAAAAAAOA/AAAAAAAA4D8AAAAAAADgPwAAAAAAAOA/AAAAAAAA4D8AAAAAAADgPwAAAAAAAOA/AAAAAAAA4D8CAAAAjAAAAAAAAAAAAAAAu+DjDP///wgAAAAAAAAAAAAAAAAAAAAAAAAAAAAAAAAAAAAAZAAAAAEAAABAAAAAAAAAAAAAAAAAAAAAAAAAAAAAAAAAAAAAAAAAAAAAAAAAAAAAAAAAAAAAAAAAAAAAAAAAAAAAAAAAAAAAAAAAAAAAAAAAAAAAAAAAAAAAAAAAAAAAFAAAADwAAAAAAAAAAAAAAAAAAAkUAAAAAQAAABQAAAAUAAAAFAAAAAEAAAAAAAAAZAAAAGQAAAAAAAAAZAAAAGQAAAAVAAAAYAAAAAAAAAAAAAAADwAAACADAAAAAAAAAAAAAAEAAACgMgAAVgcAAKr4//8BAAAAf39/AAEAAABkAAAAAAAAABQAAABAHwAAAAAAACYAAAAAAAAAwOD//wAAAAAmAAAAZAAAABYAAABMAAAAAAAAAAAAAAAEAAAAAAAAAAEAAACAgIAKAAAAACgAAAAoAAAAZAAAAGQAAAAAAAAAzMzMAAAAAABQAAAAUAAAAGQAAABkAAAAAAAAABcAAAAUAAAAAAAAAAAAAAD/fwAA/38AAAAAAAAJAAAABAAAAAAAAAAMAAAAEAAAAAAAAAAAAAAAAAAAAAAAAAAeAAAAaAAAAAAAAAAAAAAAAAAAAAAAAAAAAAAAECcAABAnAAAAAAAAAAAAAAAAAAAAAAAAAAAAAAAAAAAAAAAAAAAAABQAAAAAAAAAwMD/AAAAAABkAAAAMgAAAAAAAABkAAAAAAAAAH9/fwAKAAAAHwAAAFQAAAAAAAAFAAAAAQAAAAAAAAAAAAAAAAAAAAAAAAAAAAAAAAAAAAAAAAAAAAAAAn9/fwAAAAADzMzMAMDA/wB/f38AAAAAAAAAAAAAAAAAAAAAAAAAAAAhAAAAGAAAABQAAAByBAAAHBsAAEI0AAB9IwAAEAAAACYAAAAIAAAAgYAAAAAAAAA="/>
+                <pr:smNativeData xmlns:pr="smNativeData" val="SMDATA_13_4y+yYxMAAAAlAAAAZAAAAA8BAAAAkAAAAEgAAACQAAAASAAAAAAAAAAAAAAAAAAAAAEAAABQAAAAAAAAAAAA4D8AAAAAAADgPwAAAAAAAOA/AAAAAAAA4D8AAAAAAADgPwAAAAAAAOA/AAAAAAAA4D8AAAAAAADgPwAAAAAAAOA/AAAAAAAA4D8CAAAAjAAAAAAAAAAAAAAAu+DjDP///wgAAAAAAAAAAAAAAAAAAAAAAAAAAAAAAAAAAAAAZAAAAAEAAABAAAAAAAAAAAAAAAAAAAAAAAAAAAAAAAAAAAAAAAAAAAAAAAAAAAAAAAAAAAAAAAAAAAAAAAAAAAAAAAAAAAAAAAAAAAAAAAAAAAAAAAAAAAAAAAAAAAAAFAAAADwAAAAAAAAAAAAAAAAAAAkUAAAAAQAAABQAAAAUAAAAFAAAAAEAAAAAAAAAZAAAAGQAAAAAAAAAZAAAAGQAAAAVAAAAYAAAAAAAAAAAAAAADwAAACADAAAAAAAAAAAAAAEAAACgMgAAVgcAAKr4//8BAAAAf39/AAEAAABkAAAAAAAAABQAAABAHwAAAAAAACYAAAAAAAAAwOD//wAAAAAmAAAAZAAAABYAAABMAAAAAAAAAAAAAAAEAAAAAAAAAAEAAACAgIAKAAAAACgAAAAoAAAAZAAAAGQAAAAAAAAAzMzMAAAAAABQAAAAUAAAAGQAAABkAAAAAAAAABcAAAAUAAAAAAAAAAAAAAD/fwAA/38AAAAAAAAJAAAABAAAAAAAAAAMAAAAEAAAAAAAAAAAAAAAAAAAAAAAAAAeAAAAaAAAAAAAAAAAAAAAAAAAAAAAAAAAAAAAECcAABAnAAAAAAAAAAAAAAAAAAAAAAAAAAAAAAAAAAAAAAAAAAAAABQAAAAAAAAAwMD/AAAAAABkAAAAMgAAAAAAAABkAAAAAAAAAH9/fwAKAAAAHwAAAFQAAAAAAAAFAAAAAQAAAAAAAAAAAAAAAAAAAAAAAAAAAAAAAAAAAAAAAAAAAAAAAn9/fwAAAAADzMzMAMDA/wB/f38AAAAAAAAAAAAAAAAAAAAAAAAAAAAhAAAAGAAAABQAAAByBAAAHBsAAEI0AAB9IwAAEAAAACYAAAAIAAAAgYAAAAAAAAA="/>
               </a:ext>
             </a:extLst>
           </p:cNvSpPr>
@@ -1043,7 +1043,7 @@
             <a:spLocks noGrp="1" noChangeArrowheads="1"/>
             <a:extLst>
               <a:ext uri="smNativeData">
-                <pr:smNativeData xmlns:pr="smNativeData" val="SMDATA_13_5C6yYxMAAAAlAAAAZAAAAA8BAAAAkAAAAEgAAACQAAAASAAAAAAAAAACAAAAAAAAAAEAAABQAAAAAAAAAAAA4D8AAAAAAADgPwAAAAAAAOA/AAAAAAAA4D8AAAAAAADgPwAAAAAAAOA/AAAAAAAA4D8AAAAAAADgPwAAAAAAAOA/AAAAAAAA4D8CAAAAjAAAAAAAAAAAAAAAu+DjDP///wgAAAAAAAAAAAAAAAAAAAAAAAAAAAAAAAAAAAAAZAAAAAEAAABAAAAAAAAAAAAAAAAAAAAAAAAAAAAAAAAAAAAAAAAAAAAAAAAAAAAAAAAAAAAAAAAAAAAAAAAAAAAAAAAAAAAAAAAAAAAAAAAAAAAAAAAAAAAAAAAAAAAAFAAAADwAAAAAAAAAAAAAAAAAAAkUAAAAAQAAABQAAAAUAAAAFAAAAAEAAAAAAAAAZAAAAGQAAAAAAAAAZAAAAGQAAAAVAAAAYAAAAAAAAAAAAAAADwAAACADAAAAAAAAAAAAAAEAAACgMgAAVgcAAKr4//8BAAAAf39/AAEAAABkAAAAAAAAABQAAABAHwAAAAAAACYAAAAAAAAAwOD//wAAAAAmAAAAZAAAABYAAABMAAAAAAAAAAAAAAAEAAAAAAAAAAEAAACAgIAKAAAAACgAAAAoAAAAZAAAAGQAAAAAAAAAzMzMAAAAAABQAAAAUAAAAGQAAABkAAAAAAAAABcAAAAUAAAAAAAAAAAAAAD/fwAA/38AAAAAAAAJAAAABAAAAO3FAwAMAAAAEAAAAAAAAAAAAAAAAAAAAAAAAAAeAAAAaAAAAAAAAAAAAAAAAAAAAAAAAAAAAAAAECcAABAnAAAAAAAAAAAAAAAAAAAAAAAAAAAAAAAAAAAAAAAAAAAAABQAAAAAAAAAwMD/AAAAAABkAAAAMgAAAAAAAABkAAAAAAAAAH9/fwAKAAAAHwAAAFQAAAAAAAAFAAAAAQAAAAAAAAAAAAAAAAAAAAAAAAAAAAAAAAAAAAAAAAAAAAAAAn9/fwAAAAADzMzMAMDA/wB/f38AAAAAAAAAAAAAAAAAAAAAAAAAAAAhAAAAGAAAABQAAAByBAAA4REAAEI0AAAcGwAAEAAAACYAAAAIAAAAgYAAAAAAAAA="/>
+                <pr:smNativeData xmlns:pr="smNativeData" val="SMDATA_13_4y+yYxMAAAAlAAAAZAAAAA8BAAAAkAAAAEgAAACQAAAASAAAAAAAAAACAAAAAAAAAAEAAABQAAAAAAAAAAAA4D8AAAAAAADgPwAAAAAAAOA/AAAAAAAA4D8AAAAAAADgPwAAAAAAAOA/AAAAAAAA4D8AAAAAAADgPwAAAAAAAOA/AAAAAAAA4D8CAAAAjAAAAAAAAAAAAAAAu+DjDP///wgAAAAAAAAAAAAAAAAAAAAAAAAAAAAAAAAAAAAAZAAAAAEAAABAAAAAAAAAAAAAAAAAAAAAAAAAAAAAAAAAAAAAAAAAAAAAAAAAAAAAAAAAAAAAAAAAAAAAAAAAAAAAAAAAAAAAAAAAAAAAAAAAAAAAAAAAAAAAAAAAAAAAFAAAADwAAAAAAAAAAAAAAAAAAAkUAAAAAQAAABQAAAAUAAAAFAAAAAEAAAAAAAAAZAAAAGQAAAAAAAAAZAAAAGQAAAAVAAAAYAAAAAAAAAAAAAAADwAAACADAAAAAAAAAAAAAAEAAACgMgAAVgcAAKr4//8BAAAAf39/AAEAAABkAAAAAAAAABQAAABAHwAAAAAAACYAAAAAAAAAwOD//wAAAAAmAAAAZAAAABYAAABMAAAAAAAAAAAAAAAEAAAAAAAAAAEAAACAgIAKAAAAACgAAAAoAAAAZAAAAGQAAAAAAAAAzMzMAAAAAABQAAAAUAAAAGQAAABkAAAAAAAAABcAAAAUAAAAAAAAAAAAAAD/fwAA/38AAAAAAAAJAAAABAAAAO3FAwAMAAAAEAAAAAAAAAAAAAAAAAAAAAAAAAAeAAAAaAAAAAAAAAAAAAAAAAAAAAAAAAAAAAAAECcAABAnAAAAAAAAAAAAAAAAAAAAAAAAAAAAAAAAAAAAAAAAAAAAABQAAAAAAAAAwMD/AAAAAABkAAAAMgAAAAAAAABkAAAAAAAAAH9/fwAKAAAAHwAAAFQAAAAAAAAFAAAAAQAAAAAAAAAAAAAAAAAAAAAAAAAAAAAAAAAAAAAAAAAAAAAAAn9/fwAAAAADzMzMAMDA/wB/f38AAAAAAAAAAAAAAAAAAAAAAAAAAAAhAAAAGAAAABQAAAByBAAA4REAAEI0AAAcGwAAEAAAACYAAAAIAAAAgYAAAAAAAAA="/>
               </a:ext>
             </a:extLst>
           </p:cNvSpPr>
@@ -1116,7 +1116,7 @@
             <a:spLocks noGrp="1" noChangeArrowheads="1"/>
             <a:extLst>
               <a:ext uri="smNativeData">
-                <pr:smNativeData xmlns:pr="smNativeData" val="SMDATA_13_5C6yYxMAAAAlAAAAZAAAAA8BAAAAkAAAAEgAAACQAAAASAAAAAAAAAABAAAAAAAAAAEAAABQAAAAAAAAAAAA4D8AAAAAAADgPwAAAAAAAOA/AAAAAAAA4D8AAAAAAADgPwAAAAAAAOA/AAAAAAAA4D8AAAAAAADgPwAAAAAAAOA/AAAAAAAA4D8CAAAAjAAAAAAAAAAAAAAAu+DjDP///wgAAAAAAAAAAAAAAAAAAAAAAAAAAAAAAAAAAAAAZAAAAAEAAABAAAAAAAAAAAAAAAAAAAAAAAAAAAAAAAAAAAAAAAAAAAAAAAAAAAAAAAAAAAAAAAAAAAAAAAAAAAAAAAAAAAAAAAAAAAAAAAAAAAAAAAAAAAAAAAAAAAAAFAAAADwAAAAAAAAAAAAAAAAAAAkUAAAAAQAAABQAAAAUAAAAFAAAAAEAAAAAAAAAZAAAAGQAAAAAAAAAZAAAAGQAAAAVAAAAYAAAAAAAAAAAAAAADwAAACADAAAAAAAAAAAAAAEAAACgMgAAVgcAAKr4//8BAAAAf39/AAEAAABkAAAAAAAAABQAAABAHwAAAAAAACYAAAAAAAAAwOD//wAAAAAmAAAAZAAAABYAAABMAAAAAAAAAAAAAAAEAAAAAAAAAAEAAACAgIAKAAAAACgAAAAoAAAAZAAAAGQAAAAAAAAAzMzMAAAAAABQAAAAUAAAAGQAAABkAAAAAAAAABcAAAAUAAAAAAAAAAAAAAD/fwAA/38AAAAAAAAJAAAABAAAAPBC34oMAAAAEAAAAAAAAAAAAAAAAAAAAAAAAAAeAAAAaAAAAAAAAAAAAAAAAAAAAAAAAAAAAAAAECcAABAnAAAAAAAAAAAAAAAAAAAAAAAAAAAAAAAAAAAAAAAAAAAAABQAAAAAAAAAwMD/AAAAAABkAAAAMgAAAAAAAABkAAAAAAAAAH9/fwAKAAAAHwAAAFQAAAAAAAAFAAAAAQAAAAAAAAAAAAAAAAAAAAAAAAAAAAAAAAAAAAAAAAAAAAAAAn9/fwAAAAADzMzMAMDA/wB/f38AAAAAAAAAAAAAAAAAAAAAAAAAAAAhAAAAGAAAABQAAADQAgAAGycAAPAPAABZKQAAEAAAACYAAAAIAAAAAAAAAAAAAAA="/>
+                <pr:smNativeData xmlns:pr="smNativeData" val="SMDATA_13_4y+yYxMAAAAlAAAAZAAAAA8BAAAAkAAAAEgAAACQAAAASAAAAAAAAAABAAAAAAAAAAEAAABQAAAAAAAAAAAA4D8AAAAAAADgPwAAAAAAAOA/AAAAAAAA4D8AAAAAAADgPwAAAAAAAOA/AAAAAAAA4D8AAAAAAADgPwAAAAAAAOA/AAAAAAAA4D8CAAAAjAAAAAAAAAAAAAAAu+DjDP///wgAAAAAAAAAAAAAAAAAAAAAAAAAAAAAAAAAAAAAZAAAAAEAAABAAAAAAAAAAAAAAAAAAAAAAAAAAAAAAAAAAAAAAAAAAAAAAAAAAAAAAAAAAAAAAAAAAAAAAAAAAAAAAAAAAAAAAAAAAAAAAAAAAAAAAAAAAAAAAAAAAAAAFAAAADwAAAAAAAAAAAAAAAAAAAkUAAAAAQAAABQAAAAUAAAAFAAAAAEAAAAAAAAAZAAAAGQAAAAAAAAAZAAAAGQAAAAVAAAAYAAAAAAAAAAAAAAADwAAACADAAAAAAAAAAAAAAEAAACgMgAAVgcAAKr4//8BAAAAf39/AAEAAABkAAAAAAAAABQAAABAHwAAAAAAACYAAAAAAAAAwOD//wAAAAAmAAAAZAAAABYAAABMAAAAAAAAAAAAAAAEAAAAAAAAAAEAAACAgIAKAAAAACgAAAAoAAAAZAAAAGQAAAAAAAAAzMzMAAAAAABQAAAAUAAAAGQAAABkAAAAAAAAABcAAAAUAAAAAAAAAAAAAAD/fwAA/38AAAAAAAAJAAAABAAAAPBC34oMAAAAEAAAAAAAAAAAAAAAAAAAAAAAAAAeAAAAaAAAAAAAAAAAAAAAAAAAAAAAAAAAAAAAECcAABAnAAAAAAAAAAAAAAAAAAAAAAAAAAAAAAAAAAAAAAAAAAAAABQAAAAAAAAAwMD/AAAAAABkAAAAMgAAAAAAAABkAAAAAAAAAH9/fwAKAAAAHwAAAFQAAAAAAAAFAAAAAQAAAAAAAAAAAAAAAAAAAAAAAAAAAAAAAAAAAAAAAAAAAAAAAn9/fwAAAAADzMzMAMDA/wB/f38AAAAAAAAAAAAAAAAAAAAAAAAAAAAhAAAAGAAAABQAAADQAgAAGycAAPAPAABZKQAAEAAAACYAAAAIAAAAAAAAAAAAAAA="/>
               </a:ext>
             </a:extLst>
           </p:cNvSpPr>
@@ -1130,7 +1130,7 @@
           <a:lstStyle/>
           <a:p>
             <a:pPr/>
-            <a:fld id="{0634385C-12EB-61CE-A58C-E49B76C253B1}" type="datetime1">
+            <a:fld id="{06088FA8-E6EB-5D79-A5B0-102CC1FE5345}" type="datetime1">
               <a:t/>
             </a:fld>
           </a:p>
@@ -1143,7 +1143,7 @@
             <a:spLocks noGrp="1" noChangeArrowheads="1"/>
             <a:extLst>
               <a:ext uri="smNativeData">
-                <pr:smNativeData xmlns:pr="smNativeData" val="SMDATA_13_5C6yYxMAAAAlAAAAZAAAAA8BAAAAkAAAAEgAAACQAAAASAAAAAAAAAABAAAAAAAAAAEAAABQAAAAAAAAAAAA4D8AAAAAAADgPwAAAAAAAOA/AAAAAAAA4D8AAAAAAADgPwAAAAAAAOA/AAAAAAAA4D8AAAAAAADgPwAAAAAAAOA/AAAAAAAA4D8CAAAAjAAAAAAAAAAAAAAAu+DjDP///wgAAAAAAAAAAAAAAAAAAAAAAAAAAAAAAAAAAAAAZAAAAAEAAABAAAAAAAAAAAAAAAAAAAAAAAAAAAAAAAAAAAAAAAAAAAAAAAAAAAAAAAAAAAAAAAAAAAAAAAAAAAAAAAAAAAAAAAAAAAAAAAAAAAAAAAAAAAAAAAAAAAAAFAAAADwAAAAAAAAAAAAAAAAAAAkUAAAAAQAAABQAAAAUAAAAFAAAAAEAAAAAAAAAZAAAAGQAAAAAAAAAZAAAAGQAAAAVAAAAYAAAAAAAAAAAAAAADwAAACADAAAAAAAAAAAAAAEAAACgMgAAVgcAAKr4//8BAAAAf39/AAEAAABkAAAAAAAAABQAAABAHwAAAAAAACYAAAAAAAAAwOD//wAAAAAmAAAAZAAAABYAAABMAAAAAAAAAAAAAAAEAAAAAAAAAAEAAACAgIAKAAAAACgAAAAoAAAAZAAAAGQAAAAAAAAAzMzMAAAAAABQAAAAUAAAAGQAAABkAAAAAAAAABcAAAAUAAAAAAAAAAAAAAD/fwAA/38AAAAAAAAJAAAABAAAANMZJUQMAAAAEAAAAAAAAAAAAAAAAAAAAAAAAAAeAAAAaAAAAAAAAAAAAAAAAAAAAAAAAAAAAAAAECcAABAnAAAAAAAAAAAAAAAAAAAAAAAAAAAAAAAAAAAAAAAAAAAAABQAAAAAAAAAwMD/AAAAAABkAAAAMgAAAAAAAABkAAAAAAAAAH9/fwAKAAAAHwAAAFQAAAAAAAAFAAAAAQAAAAAAAAAAAAAAAAAAAAAAAAAAAAAAAAAAAAAAAAAAAAAAAn9/fwAAAAADzMzMAMDA/wB/f38AAAAAAAAAAAAAAAAAAAAAAAAAAAAhAAAAGAAAABQAAAA4EwAAGycAAAglAABZKQAAEAAAACYAAAAIAAAAAAAAAAAAAAA="/>
+                <pr:smNativeData xmlns:pr="smNativeData" val="SMDATA_13_4y+yYxMAAAAlAAAAZAAAAA8BAAAAkAAAAEgAAACQAAAASAAAAAAAAAABAAAAAAAAAAEAAABQAAAAAAAAAAAA4D8AAAAAAADgPwAAAAAAAOA/AAAAAAAA4D8AAAAAAADgPwAAAAAAAOA/AAAAAAAA4D8AAAAAAADgPwAAAAAAAOA/AAAAAAAA4D8CAAAAjAAAAAAAAAAAAAAAu+DjDP///wgAAAAAAAAAAAAAAAAAAAAAAAAAAAAAAAAAAAAAZAAAAAEAAABAAAAAAAAAAAAAAAAAAAAAAAAAAAAAAAAAAAAAAAAAAAAAAAAAAAAAAAAAAAAAAAAAAAAAAAAAAAAAAAAAAAAAAAAAAAAAAAAAAAAAAAAAAAAAAAAAAAAAFAAAADwAAAAAAAAAAAAAAAAAAAkUAAAAAQAAABQAAAAUAAAAFAAAAAEAAAAAAAAAZAAAAGQAAAAAAAAAZAAAAGQAAAAVAAAAYAAAAAAAAAAAAAAADwAAACADAAAAAAAAAAAAAAEAAACgMgAAVgcAAKr4//8BAAAAf39/AAEAAABkAAAAAAAAABQAAABAHwAAAAAAACYAAAAAAAAAwOD//wAAAAAmAAAAZAAAABYAAABMAAAAAAAAAAAAAAAEAAAAAAAAAAEAAACAgIAKAAAAACgAAAAoAAAAZAAAAGQAAAAAAAAAzMzMAAAAAABQAAAAUAAAAGQAAABkAAAAAAAAABcAAAAUAAAAAAAAAAAAAAD/fwAA/38AAAAAAAAJAAAABAAAANMZJUQMAAAAEAAAAAAAAAAAAAAAAAAAAAAAAAAeAAAAaAAAAAAAAAAAAAAAAAAAAAAAAAAAAAAAECcAABAnAAAAAAAAAAAAAAAAAAAAAAAAAAAAAAAAAAAAAAAAAAAAABQAAAAAAAAAwMD/AAAAAABkAAAAMgAAAAAAAABkAAAAAAAAAH9/fwAKAAAAHwAAAFQAAAAAAAAFAAAAAQAAAAAAAAAAAAAAAAAAAAAAAAAAAAAAAAAAAAAAAAAAAAAAAn9/fwAAAAADzMzMAMDA/wB/f38AAAAAAAAAAAAAAAAAAAAAAAAAAAAhAAAAGAAAABQAAAA4EwAAGycAAAglAABZKQAAEAAAACYAAAAIAAAAAAAAAAAAAAA="/>
               </a:ext>
             </a:extLst>
           </p:cNvSpPr>
@@ -1167,7 +1167,7 @@
             <a:spLocks noGrp="1" noChangeArrowheads="1"/>
             <a:extLst>
               <a:ext uri="smNativeData">
-                <pr:smNativeData xmlns:pr="smNativeData" val="SMDATA_13_5C6yYxMAAAAlAAAAZAAAAA8BAAAAkAAAAEgAAACQAAAASAAAAAAAAAABAAAAAAAAAAEAAABQAAAAAAAAAAAA4D8AAAAAAADgPwAAAAAAAOA/AAAAAAAA4D8AAAAAAADgPwAAAAAAAOA/AAAAAAAA4D8AAAAAAADgPwAAAAAAAOA/AAAAAAAA4D8CAAAAjAAAAAAAAAAAAAAAu+DjDP///wgAAAAAAAAAAAAAAAAAAAAAAAAAAAAAAAAAAAAAZAAAAAEAAABAAAAAAAAAAAAAAAAAAAAAAAAAAAAAAAAAAAAAAAAAAAAAAAAAAAAAAAAAAAAAAAAAAAAAAAAAAAAAAAAAAAAAAAAAAAAAAAAAAAAAAAAAAAAAAAAAAAAAFAAAADwAAAAAAAAAAAAAAAAAAAkUAAAAAQAAABQAAAAUAAAAFAAAAAEAAAAAAAAAZAAAAGQAAAAAAAAAZAAAAGQAAAAVAAAAYAAAAAAAAAAAAAAADwAAACADAAAAAAAAAAAAAAEAAACgMgAAVgcAAKr4//8BAAAAf39/AAEAAABkAAAAAAAAABQAAABAHwAAAAAAACYAAAAAAAAAwOD//wAAAAAmAAAAZAAAABYAAABMAAAAAAAAAAAAAAAEAAAAAAAAAAEAAACAgIAKAAAAACgAAAAoAAAAZAAAAGQAAAAAAAAAzMzMAAAAAABQAAAAUAAAAGQAAABkAAAAAAAAABcAAAAUAAAAAAAAAAAAAAD/fwAA/38AAAAAAAAJAAAABAAAAPhL+yIMAAAAEAAAAAAAAAAAAAAAAAAAAAAAAAAeAAAAaAAAAAAAAAAAAAAAAAAAAAAAAAAAAAAAECcAABAnAAAAAAAAAAAAAAAAAAAAAAAAAAAAAAAAAAAAAAAAAAAAABQAAAAAAAAAwMD/AAAAAABkAAAAMgAAAAAAAABkAAAAAAAAAH9/fwAKAAAAHwAAAFQAAAAAAAAFAAAAAQAAAAAAAAAAAAAAAAAAAAAAAAAAAAAAAAAAAAAAAAAAAAAAAn9/fwAAAAADzMzMAMDA/wB/f38AAAAAAAAAAAAAAAAAAAAAAAAAAAAhAAAAGAAAABQAAABQKAAAGycAAHA1AABZKQAAEAAAACYAAAAIAAAAAAAAAAAAAAA="/>
+                <pr:smNativeData xmlns:pr="smNativeData" val="SMDATA_13_4y+yYxMAAAAlAAAAZAAAAA8BAAAAkAAAAEgAAACQAAAASAAAAAAAAAABAAAAAAAAAAEAAABQAAAAAAAAAAAA4D8AAAAAAADgPwAAAAAAAOA/AAAAAAAA4D8AAAAAAADgPwAAAAAAAOA/AAAAAAAA4D8AAAAAAADgPwAAAAAAAOA/AAAAAAAA4D8CAAAAjAAAAAAAAAAAAAAAu+DjDP///wgAAAAAAAAAAAAAAAAAAAAAAAAAAAAAAAAAAAAAZAAAAAEAAABAAAAAAAAAAAAAAAAAAAAAAAAAAAAAAAAAAAAAAAAAAAAAAAAAAAAAAAAAAAAAAAAAAAAAAAAAAAAAAAAAAAAAAAAAAAAAAAAAAAAAAAAAAAAAAAAAAAAAFAAAADwAAAAAAAAAAAAAAAAAAAkUAAAAAQAAABQAAAAUAAAAFAAAAAEAAAAAAAAAZAAAAGQAAAAAAAAAZAAAAGQAAAAVAAAAYAAAAAAAAAAAAAAADwAAACADAAAAAAAAAAAAAAEAAACgMgAAVgcAAKr4//8BAAAAf39/AAEAAABkAAAAAAAAABQAAABAHwAAAAAAACYAAAAAAAAAwOD//wAAAAAmAAAAZAAAABYAAABMAAAAAAAAAAAAAAAEAAAAAAAAAAEAAACAgIAKAAAAACgAAAAoAAAAZAAAAGQAAAAAAAAAzMzMAAAAAABQAAAAUAAAAGQAAABkAAAAAAAAABcAAAAUAAAAAAAAAAAAAAD/fwAA/38AAAAAAAAJAAAABAAAAPhL+yIMAAAAEAAAAAAAAAAAAAAAAAAAAAAAAAAeAAAAaAAAAAAAAAAAAAAAAAAAAAAAAAAAAAAAECcAABAnAAAAAAAAAAAAAAAAAAAAAAAAAAAAAAAAAAAAAAAAAAAAABQAAAAAAAAAwMD/AAAAAABkAAAAMgAAAAAAAABkAAAAAAAAAH9/fwAKAAAAHwAAAFQAAAAAAAAFAAAAAQAAAAAAAAAAAAAAAAAAAAAAAAAAAAAAAAAAAAAAAAAAAAAAAn9/fwAAAAADzMzMAMDA/wB/f38AAAAAAAAAAAAAAAAAAAAAAAAAAAAhAAAAGAAAABQAAABQKAAAGycAAHA1AABZKQAAEAAAACYAAAAIAAAAAAAAAAAAAAA="/>
               </a:ext>
             </a:extLst>
           </p:cNvSpPr>
@@ -1181,7 +1181,7 @@
           <a:lstStyle/>
           <a:p>
             <a:pPr/>
-            <a:fld id="{06341EE5-ABEB-61E8-A58C-5DBD50C25308}" type="slidenum">
+            <a:fld id="{0608B698-D6EB-5D40-A5B0-2015F8FE5375}" type="slidenum">
               <a:t/>
             </a:fld>
           </a:p>
@@ -1219,7 +1219,7 @@
             <a:spLocks noGrp="1" noChangeArrowheads="1"/>
             <a:extLst>
               <a:ext uri="smNativeData">
-                <pr:smNativeData xmlns:pr="smNativeData" val="SMDATA_13_5C6yYxMAAAAlAAAAZAAAAA8BAAAAkAAAAEgAAACQAAAASAAAAAAAAAABAAAAAAAAAAEAAABQAAAAAAAAAAAA4D8AAAAAAADgPwAAAAAAAOA/AAAAAAAA4D8AAAAAAADgPwAAAAAAAOA/AAAAAAAA4D8AAAAAAADgPwAAAAAAAOA/AAAAAAAA4D8CAAAAjAAAAAAAAAAAAAAAu+DjDP///wgAAAAAAAAAAAAAAAAAAAAAAAAAAAAAAAAAAAAAZAAAAAEAAABAAAAAAAAAAAAAAAAAAAAAAAAAAAAAAAAAAAAAAAAAAAAAAAAAAAAAAAAAAAAAAAAAAAAAAAAAAAAAAAAAAAAAAAAAAAAAAAAAAAAAAAAAAAAAAAAAAAAAFAAAADwAAAAAAAAAAAAAAAAAAAkUAAAAAQAAABQAAAAUAAAAFAAAAAEAAAAAAAAAZAAAAGQAAAAAAAAAZAAAAGQAAAAVAAAAYAAAAAAAAAAAAAAADwAAACADAAAAAAAAAAAAAAEAAACgMgAAVgcAAKr4//8BAAAAf39/AAEAAABkAAAAAAAAABQAAABAHwAAAAAAACYAAAAAAAAAwOD//wAAAAAmAAAAZAAAABYAAABMAAAAAAAAAAAAAAAEAAAAAAAAAAEAAACAgIAKAAAAACgAAAAoAAAAZAAAAGQAAAAAAAAAzMzMAAAAAABQAAAAUAAAAGQAAABkAAAAAAAAABcAAAAUAAAAAAAAAAAAAAD/fwAA/38AAAAAAAAJAAAABAAAAAMAhj4MAAAAEAAAAAAAAAAAAAAAAAAAAAAAAAAeAAAAaAAAAAAAAAAAAAAAAAAAAAAAAAAAAAAAECcAABAnAAAAAAAAAAAAAAAAAAAAAAAAAAAAAAAAAAAAAAAAAAAAABQAAAAAAAAAwMD/AAAAAABkAAAAMgAAAAAAAABkAAAAAAAAAH9/fwAKAAAAHwAAAFQAAAAAAAAFAAAAAQAAAAAAAAAAAAAAAAAAAAAAAAAAAAAAAAAAAAAAAAAAAAAAAn9/fwAAAAADzMzMAMDA/wB/f38AAAAAAAAAAAAAAAAAAAAAAAAAAAAhAAAAGAAAABQAAADQAgAAsAEAAHA1AAC4CAAAEAAAACYAAAAIAAAAAAAAAAAAAAA="/>
+                <pr:smNativeData xmlns:pr="smNativeData" val="SMDATA_13_4y+yYxMAAAAlAAAAZAAAAA8BAAAAkAAAAEgAAACQAAAASAAAAAAAAAABAAAAAAAAAAEAAABQAAAAAAAAAAAA4D8AAAAAAADgPwAAAAAAAOA/AAAAAAAA4D8AAAAAAADgPwAAAAAAAOA/AAAAAAAA4D8AAAAAAADgPwAAAAAAAOA/AAAAAAAA4D8CAAAAjAAAAAAAAAAAAAAAu+DjDP///wgAAAAAAAAAAAAAAAAAAAAAAAAAAAAAAAAAAAAAZAAAAAEAAABAAAAAAAAAAAAAAAAAAAAAAAAAAAAAAAAAAAAAAAAAAAAAAAAAAAAAAAAAAAAAAAAAAAAAAAAAAAAAAAAAAAAAAAAAAAAAAAAAAAAAAAAAAAAAAAAAAAAAFAAAADwAAAAAAAAAAAAAAAAAAAkUAAAAAQAAABQAAAAUAAAAFAAAAAEAAAAAAAAAZAAAAGQAAAAAAAAAZAAAAGQAAAAVAAAAYAAAAAAAAAAAAAAADwAAACADAAAAAAAAAAAAAAEAAACgMgAAVgcAAKr4//8BAAAAf39/AAEAAABkAAAAAAAAABQAAABAHwAAAAAAACYAAAAAAAAAwOD//wAAAAAmAAAAZAAAABYAAABMAAAAAAAAAAAAAAAEAAAAAAAAAAEAAACAgIAKAAAAACgAAAAoAAAAZAAAAGQAAAAAAAAAzMzMAAAAAABQAAAAUAAAAGQAAABkAAAAAAAAABcAAAAUAAAAAAAAAAAAAAD/fwAA/38AAAAAAAAJAAAABAAAAAMAhj4MAAAAEAAAAAAAAAAAAAAAAAAAAAAAAAAeAAAAaAAAAAAAAAAAAAAAAAAAAAAAAAAAAAAAECcAABAnAAAAAAAAAAAAAAAAAAAAAAAAAAAAAAAAAAAAAAAAAAAAABQAAAAAAAAAwMD/AAAAAABkAAAAMgAAAAAAAABkAAAAAAAAAH9/fwAKAAAAHwAAAFQAAAAAAAAFAAAAAQAAAAAAAAAAAAAAAAAAAAAAAAAAAAAAAAAAAAAAAAAAAAAAAn9/fwAAAAADzMzMAMDA/wB/f38AAAAAAAAAAAAAAAAAAAAAAAAAAAAhAAAAGAAAABQAAADQAgAAsAEAAHA1AAC4CAAAEAAAACYAAAAIAAAAAAAAAAAAAAA="/>
               </a:ext>
             </a:extLst>
           </p:cNvSpPr>
@@ -1246,7 +1246,7 @@
             <a:spLocks noGrp="1" noChangeArrowheads="1"/>
             <a:extLst>
               <a:ext uri="smNativeData">
-                <pr:smNativeData xmlns:pr="smNativeData" val="SMDATA_13_5C6yYxMAAAAlAAAAZAAAAA8BAAAAkAAAAEgAAACQAAAASAAAAAAAAAAAAAAAAAAAAAEAAABQAAAAAAAAAAAA4D8AAAAAAADgPwAAAAAAAOA/AAAAAAAA4D8AAAAAAADgPwAAAAAAAOA/AAAAAAAA4D8AAAAAAADgPwAAAAAAAOA/AAAAAAAA4D8CAAAAjAAAAAAAAAAAAAAAu+DjDP///wgAAAAAAAAAAAAAAAAAAAAAAAAAAAAAAAAAAAAAZAAAAAEAAABAAAAAAAAAAAAAAAAAAAAAAAAAAAAAAAAAAAAAAAAAAAAAAAAAAAAAAAAAAAAAAAAAAAAAAAAAAAAAAAAAAAAAAAAAAAAAAAAAAAAAAAAAAAAAAAAAAAAAFAAAADwAAAAAAAAAAAAAAAAAAAkUAAAAAQAAABQAAAAUAAAAFAAAAAEAAAAAAAAAZAAAAGQAAAAAAAAAZAAAAGQAAAAVAAAAYAAAAAAAAAAAAAAADwAAACADAAAAAAAAAAAAAAEAAACgMgAAVgcAAKr4//8BAAAAf39/AAEAAABkAAAAAAAAABQAAABAHwAAAAAAACYAAAAAAAAAwOD//wAAAAAmAAAAZAAAABYAAABMAAAAAAAAAAAAAAAEAAAAAAAAAAEAAACAgIAKAAAAACgAAAAoAAAAZAAAAGQAAAAAAAAAzMzMAAAAAABQAAAAUAAAAGQAAABkAAAAAAAAABcAAAAUAAAAAAAAAAAAAAD/fwAA/38AAAAAAAAJAAAABAAAAJJH8tUMAAAAEAAAAAAAAAAAAAAAAAAAAAAAAAAeAAAAaAAAAAAAAAAAAAAAAAAAAAAAAAAAAAAAECcAABAnAAAAAAAAAAAAAAAAAAAAAAAAAAAAAAAAAAAAAAAAAAAAABQAAAAAAAAAwMD/AAAAAABkAAAAMgAAAAAAAABkAAAAAAAAAH9/fwAKAAAAHwAAAFQAAAAAAAAFAAAAAQAAAAAAAAAAAAAAAAAAAAAAAAAAAAAAAAAAAAAAAAAAAAAAAn9/fwAAAAADzMzMAMDA/wB/f38AAAAAAAAAAAAAAAAAAAAAAAAAAAAhAAAAGAAAABQAAADQAgAA2AkAAKgbAACwJQAAEAAAACYAAAAIAAAAAYAAAAAAAAA="/>
+                <pr:smNativeData xmlns:pr="smNativeData" val="SMDATA_13_4y+yYxMAAAAlAAAAZAAAAA8BAAAAkAAAAEgAAACQAAAASAAAAAAAAAAAAAAAAAAAAAEAAABQAAAAAAAAAAAA4D8AAAAAAADgPwAAAAAAAOA/AAAAAAAA4D8AAAAAAADgPwAAAAAAAOA/AAAAAAAA4D8AAAAAAADgPwAAAAAAAOA/AAAAAAAA4D8CAAAAjAAAAAAAAAAAAAAAu+DjDP///wgAAAAAAAAAAAAAAAAAAAAAAAAAAAAAAAAAAAAAZAAAAAEAAABAAAAAAAAAAAAAAAAAAAAAAAAAAAAAAAAAAAAAAAAAAAAAAAAAAAAAAAAAAAAAAAAAAAAAAAAAAAAAAAAAAAAAAAAAAAAAAAAAAAAAAAAAAAAAAAAAAAAAFAAAADwAAAAAAAAAAAAAAAAAAAkUAAAAAQAAABQAAAAUAAAAFAAAAAEAAAAAAAAAZAAAAGQAAAAAAAAAZAAAAGQAAAAVAAAAYAAAAAAAAAAAAAAADwAAACADAAAAAAAAAAAAAAEAAACgMgAAVgcAAKr4//8BAAAAf39/AAEAAABkAAAAAAAAABQAAABAHwAAAAAAACYAAAAAAAAAwOD//wAAAAAmAAAAZAAAABYAAABMAAAAAAAAAAAAAAAEAAAAAAAAAAEAAACAgIAKAAAAACgAAAAoAAAAZAAAAGQAAAAAAAAAzMzMAAAAAABQAAAAUAAAAGQAAABkAAAAAAAAABcAAAAUAAAAAAAAAAAAAAD/fwAA/38AAAAAAAAJAAAABAAAAJJH8tUMAAAAEAAAAAAAAAAAAAAAAAAAAAAAAAAeAAAAaAAAAAAAAAAAAAAAAAAAAAAAAAAAAAAAECcAABAnAAAAAAAAAAAAAAAAAAAAAAAAAAAAAAAAAAAAAAAAAAAAABQAAAAAAAAAwMD/AAAAAABkAAAAMgAAAAAAAABkAAAAAAAAAH9/fwAKAAAAHwAAAFQAAAAAAAAFAAAAAQAAAAAAAAAAAAAAAAAAAAAAAAAAAAAAAAAAAAAAAAAAAAAAAn9/fwAAAAADzMzMAMDA/wB/f38AAAAAAAAAAAAAAAAAAAAAAAAAAAAhAAAAGAAAABQAAADQAgAA2AkAAKgbAACwJQAAEAAAACYAAAAIAAAAAYAAAAAAAAA="/>
               </a:ext>
             </a:extLst>
           </p:cNvSpPr>
@@ -1330,7 +1330,7 @@
             <a:spLocks noGrp="1" noChangeArrowheads="1"/>
             <a:extLst>
               <a:ext uri="smNativeData">
-                <pr:smNativeData xmlns:pr="smNativeData" val="SMDATA_13_5C6yYxMAAAAlAAAAZAAAAA8BAAAAkAAAAEgAAACQAAAASAAAAAAAAAAAAAAAAAAAAAEAAABQAAAAAAAAAAAA4D8AAAAAAADgPwAAAAAAAOA/AAAAAAAA4D8AAAAAAADgPwAAAAAAAOA/AAAAAAAA4D8AAAAAAADgPwAAAAAAAOA/AAAAAAAA4D8CAAAAjAAAAAAAAAAAAAAAu+DjDP///wgAAAAAAAAAAAAAAAAAAAAAAAAAAAAAAAAAAAAAZAAAAAEAAABAAAAAAAAAAAAAAAAAAAAAAAAAAAAAAAAAAAAAAAAAAAAAAAAAAAAAAAAAAAAAAAAAAAAAAAAAAAAAAAAAAAAAAAAAAAAAAAAAAAAAAAAAAAAAAAAAAAAAFAAAADwAAAAAAAAAAAAAAAAAAAkUAAAAAQAAABQAAAAUAAAAFAAAAAEAAAAAAAAAZAAAAGQAAAAAAAAAZAAAAGQAAAAVAAAAYAAAAAAAAAAAAAAADwAAACADAAAAAAAAAAAAAAEAAACgMgAAVgcAAKr4//8BAAAAf39/AAEAAABkAAAAAAAAABQAAABAHwAAAAAAACYAAAAAAAAAwOD//wAAAAAmAAAAZAAAABYAAABMAAAAAAAAAAAAAAAEAAAAAAAAAAEAAACAgIAKAAAAACgAAAAoAAAAZAAAAGQAAAAAAAAAzMzMAAAAAABQAAAAUAAAAGQAAABkAAAAAAAAABcAAAAUAAAAAAAAAAAAAAD/fwAA/38AAAAAAAAJAAAABAAAAO8vAwAMAAAAEAAAAAAAAAAAAAAAAAAAAAAAAAAeAAAAaAAAAAAAAAAAAAAAAAAAAAAAAAAAAAAAECcAABAnAAAAAAAAAAAAAAAAAAAAAAAAAAAAAAAAAAAAAAAAAAAAABQAAAAAAAAAwMD/AAAAAABkAAAAMgAAAAAAAABkAAAAAAAAAH9/fwAKAAAAHwAAAFQAAAAAAAAFAAAAAQAAAAAAAAAAAAAAAAAAAAAAAAAAAAAAAAAAAAAAAAAAAAAAAn9/fwAAAAADzMzMAMDA/wB/f38AAAAAAAAAAAAAAAAAAAAAAAAAAAAhAAAAGAAAABQAAACYHAAA2AkAAHA1AACwJQAAEAAAACYAAAAIAAAAAYAAAAAAAAA="/>
+                <pr:smNativeData xmlns:pr="smNativeData" val="SMDATA_13_4y+yYxMAAAAlAAAAZAAAAA8BAAAAkAAAAEgAAACQAAAASAAAAAAAAAAAAAAAAAAAAAEAAABQAAAAAAAAAAAA4D8AAAAAAADgPwAAAAAAAOA/AAAAAAAA4D8AAAAAAADgPwAAAAAAAOA/AAAAAAAA4D8AAAAAAADgPwAAAAAAAOA/AAAAAAAA4D8CAAAAjAAAAAAAAAAAAAAAu+DjDP///wgAAAAAAAAAAAAAAAAAAAAAAAAAAAAAAAAAAAAAZAAAAAEAAABAAAAAAAAAAAAAAAAAAAAAAAAAAAAAAAAAAAAAAAAAAAAAAAAAAAAAAAAAAAAAAAAAAAAAAAAAAAAAAAAAAAAAAAAAAAAAAAAAAAAAAAAAAAAAAAAAAAAAFAAAADwAAAAAAAAAAAAAAAAAAAkUAAAAAQAAABQAAAAUAAAAFAAAAAEAAAAAAAAAZAAAAGQAAAAAAAAAZAAAAGQAAAAVAAAAYAAAAAAAAAAAAAAADwAAACADAAAAAAAAAAAAAAEAAACgMgAAVgcAAKr4//8BAAAAf39/AAEAAABkAAAAAAAAABQAAABAHwAAAAAAACYAAAAAAAAAwOD//wAAAAAmAAAAZAAAABYAAABMAAAAAAAAAAAAAAAEAAAAAAAAAAEAAACAgIAKAAAAACgAAAAoAAAAZAAAAGQAAAAAAAAAzMzMAAAAAABQAAAAUAAAAGQAAABkAAAAAAAAABcAAAAUAAAAAAAAAAAAAAD/fwAA/38AAAAAAAAJAAAABAAAAO8vAwAMAAAAEAAAAAAAAAAAAAAAAAAAAAAAAAAeAAAAaAAAAAAAAAAAAAAAAAAAAAAAAAAAAAAAECcAABAnAAAAAAAAAAAAAAAAAAAAAAAAAAAAAAAAAAAAAAAAAAAAABQAAAAAAAAAwMD/AAAAAABkAAAAMgAAAAAAAABkAAAAAAAAAH9/fwAKAAAAHwAAAFQAAAAAAAAFAAAAAQAAAAAAAAAAAAAAAAAAAAAAAAAAAAAAAAAAAAAAAAAAAAAAAn9/fwAAAAADzMzMAMDA/wB/f38AAAAAAAAAAAAAAAAAAAAAAAAAAAAhAAAAGAAAABQAAACYHAAA2AkAAHA1AACwJQAAEAAAACYAAAAIAAAAAYAAAAAAAAA="/>
               </a:ext>
             </a:extLst>
           </p:cNvSpPr>
@@ -1414,7 +1414,7 @@
             <a:spLocks noGrp="1" noChangeArrowheads="1"/>
             <a:extLst>
               <a:ext uri="smNativeData">
-                <pr:smNativeData xmlns:pr="smNativeData" val="SMDATA_13_5C6yYxMAAAAlAAAAZAAAAA8BAAAAkAAAAEgAAACQAAAASAAAAAAAAAABAAAAAAAAAAEAAABQAAAAAAAAAAAA4D8AAAAAAADgPwAAAAAAAOA/AAAAAAAA4D8AAAAAAADgPwAAAAAAAOA/AAAAAAAA4D8AAAAAAADgPwAAAAAAAOA/AAAAAAAA4D8CAAAAjAAAAAAAAAAAAAAAu+DjDP///wgAAAAAAAAAAAAAAAAAAAAAAAAAAAAAAAAAAAAAZAAAAAEAAABAAAAAAAAAAAAAAAAAAAAAAAAAAAAAAAAAAAAAAAAAAAAAAAAAAAAAAAAAAAAAAAAAAAAAAAAAAAAAAAAAAAAAAAAAAAAAAAAAAAAAAAAAAAAAAAAAAAAAFAAAADwAAAAAAAAAAAAAAAAAAAkUAAAAAQAAABQAAAAUAAAAFAAAAAEAAAAAAAAAZAAAAGQAAAAAAAAAZAAAAGQAAAAVAAAAYAAAAAAAAAAAAAAADwAAACADAAAAAAAAAAAAAAEAAACgMgAAVgcAAKr4//8BAAAAf39/AAEAAABkAAAAAAAAABQAAABAHwAAAAAAACYAAAAAAAAAwOD//wAAAAAmAAAAZAAAABYAAABMAAAAAAAAAAAAAAAEAAAAAAAAAAEAAACAgIAKAAAAACgAAAAoAAAAZAAAAGQAAAAAAAAAzMzMAAAAAABQAAAAUAAAAGQAAABkAAAAAAAAABcAAAAUAAAAAAAAAAAAAAD/fwAA/38AAAAAAAAJAAAABAAAAAMAf0oMAAAAEAAAAAAAAAAAAAAAAAAAAAAAAAAeAAAAaAAAAAAAAAAAAAAAAAAAAAAAAAAAAAAAECcAABAnAAAAAAAAAAAAAAAAAAAAAAAAAAAAAAAAAAAAAAAAAAAAABQAAAAAAAAAwMD/AAAAAABkAAAAMgAAAAAAAABkAAAAAAAAAH9/fwAKAAAAHwAAAFQAAAAAAAAFAAAAAQAAAAAAAAAAAAAAAAAAAAAAAAAAAAAAAAAAAAAAAAAAAAAAAn9/fwAAAAADzMzMAMDA/wB/f38AAAAAAAAAAAAAAAAAAAAAAAAAAAAhAAAAGAAAABQAAADQAgAAGycAAPAPAABZKQAAEAAAACYAAAAIAAAAAAAAAAAAAAA="/>
+                <pr:smNativeData xmlns:pr="smNativeData" val="SMDATA_13_4y+yYxMAAAAlAAAAZAAAAA8BAAAAkAAAAEgAAACQAAAASAAAAAAAAAABAAAAAAAAAAEAAABQAAAAAAAAAAAA4D8AAAAAAADgPwAAAAAAAOA/AAAAAAAA4D8AAAAAAADgPwAAAAAAAOA/AAAAAAAA4D8AAAAAAADgPwAAAAAAAOA/AAAAAAAA4D8CAAAAjAAAAAAAAAAAAAAAu+DjDP///wgAAAAAAAAAAAAAAAAAAAAAAAAAAAAAAAAAAAAAZAAAAAEAAABAAAAAAAAAAAAAAAAAAAAAAAAAAAAAAAAAAAAAAAAAAAAAAAAAAAAAAAAAAAAAAAAAAAAAAAAAAAAAAAAAAAAAAAAAAAAAAAAAAAAAAAAAAAAAAAAAAAAAFAAAADwAAAAAAAAAAAAAAAAAAAkUAAAAAQAAABQAAAAUAAAAFAAAAAEAAAAAAAAAZAAAAGQAAAAAAAAAZAAAAGQAAAAVAAAAYAAAAAAAAAAAAAAADwAAACADAAAAAAAAAAAAAAEAAACgMgAAVgcAAKr4//8BAAAAf39/AAEAAABkAAAAAAAAABQAAABAHwAAAAAAACYAAAAAAAAAwOD//wAAAAAmAAAAZAAAABYAAABMAAAAAAAAAAAAAAAEAAAAAAAAAAEAAACAgIAKAAAAACgAAAAoAAAAZAAAAGQAAAAAAAAAzMzMAAAAAABQAAAAUAAAAGQAAABkAAAAAAAAABcAAAAUAAAAAAAAAAAAAAD/fwAA/38AAAAAAAAJAAAABAAAAAMAf0oMAAAAEAAAAAAAAAAAAAAAAAAAAAAAAAAeAAAAaAAAAAAAAAAAAAAAAAAAAAAAAAAAAAAAECcAABAnAAAAAAAAAAAAAAAAAAAAAAAAAAAAAAAAAAAAAAAAAAAAABQAAAAAAAAAwMD/AAAAAABkAAAAMgAAAAAAAABkAAAAAAAAAH9/fwAKAAAAHwAAAFQAAAAAAAAFAAAAAQAAAAAAAAAAAAAAAAAAAAAAAAAAAAAAAAAAAAAAAAAAAAAAAn9/fwAAAAADzMzMAMDA/wB/f38AAAAAAAAAAAAAAAAAAAAAAAAAAAAhAAAAGAAAABQAAADQAgAAGycAAPAPAABZKQAAEAAAACYAAAAIAAAAAAAAAAAAAAA="/>
               </a:ext>
             </a:extLst>
           </p:cNvSpPr>
@@ -1428,7 +1428,7 @@
           <a:lstStyle/>
           <a:p>
             <a:pPr/>
-            <a:fld id="{06344238-76EB-61B4-A58C-80E10CC253D5}" type="datetime1">
+            <a:fld id="{0608950D-43EB-5D63-A5B0-B536DBFE53E0}" type="datetime1">
               <a:t/>
             </a:fld>
           </a:p>
@@ -1441,7 +1441,7 @@
             <a:spLocks noGrp="1" noChangeArrowheads="1"/>
             <a:extLst>
               <a:ext uri="smNativeData">
-                <pr:smNativeData xmlns:pr="smNativeData" val="SMDATA_13_5C6yYxMAAAAlAAAAZAAAAA8BAAAAkAAAAEgAAACQAAAASAAAAAAAAAABAAAAAAAAAAEAAABQAAAAAAAAAAAA4D8AAAAAAADgPwAAAAAAAOA/AAAAAAAA4D8AAAAAAADgPwAAAAAAAOA/AAAAAAAA4D8AAAAAAADgPwAAAAAAAOA/AAAAAAAA4D8CAAAAjAAAAAAAAAAAAAAAu+DjDP///wgAAAAAAAAAAAAAAAAAAAAAAAAAAAAAAAAAAAAAZAAAAAEAAABAAAAAAAAAAAAAAAAAAAAAAAAAAAAAAAAAAAAAAAAAAAAAAAAAAAAAAAAAAAAAAAAAAAAAAAAAAAAAAAAAAAAAAAAAAAAAAAAAAAAAAAAAAAAAAAAAAAAAFAAAADwAAAAAAAAAAAAAAAAAAAkUAAAAAQAAABQAAAAUAAAAFAAAAAEAAAAAAAAAZAAAAGQAAAAAAAAAZAAAAGQAAAAVAAAAYAAAAAAAAAAAAAAADwAAACADAAAAAAAAAAAAAAEAAACgMgAAVgcAAKr4//8BAAAAf39/AAEAAABkAAAAAAAAABQAAABAHwAAAAAAACYAAAAAAAAAwOD//wAAAAAmAAAAZAAAABYAAABMAAAAAAAAAAAAAAAEAAAAAAAAAAEAAACAgIAKAAAAACgAAAAoAAAAZAAAAGQAAAAAAAAAzMzMAAAAAABQAAAAUAAAAGQAAABkAAAAAAAAABcAAAAUAAAAAAAAAAAAAAD/fwAA/38AAAAAAAAJAAAABAAAABMRBAAMAAAAEAAAAAAAAAAAAAAAAAAAAAAAAAAeAAAAaAAAAAAAAAAAAAAAAAAAAAAAAAAAAAAAECcAABAnAAAAAAAAAAAAAAAAAAAAAAAAAAAAAAAAAAAAAAAAAAAAABQAAAAAAAAAwMD/AAAAAABkAAAAMgAAAAAAAABkAAAAAAAAAH9/fwAKAAAAHwAAAFQAAAAAAAAFAAAAAQAAAAAAAAAAAAAAAAAAAAAAAAAAAAAAAAAAAAAAAAAAAAAAAn9/fwAAAAADzMzMAMDA/wB/f38AAAAAAAAAAAAAAAAAAAAAAAAAAAAhAAAAGAAAABQAAAA4EwAAGycAAAglAABZKQAAEAAAACYAAAAIAAAAAAAAAAAAAAA="/>
+                <pr:smNativeData xmlns:pr="smNativeData" val="SMDATA_13_4y+yYxMAAAAlAAAAZAAAAA8BAAAAkAAAAEgAAACQAAAASAAAAAAAAAABAAAAAAAAAAEAAABQAAAAAAAAAAAA4D8AAAAAAADgPwAAAAAAAOA/AAAAAAAA4D8AAAAAAADgPwAAAAAAAOA/AAAAAAAA4D8AAAAAAADgPwAAAAAAAOA/AAAAAAAA4D8CAAAAjAAAAAAAAAAAAAAAu+DjDP///wgAAAAAAAAAAAAAAAAAAAAAAAAAAAAAAAAAAAAAZAAAAAEAAABAAAAAAAAAAAAAAAAAAAAAAAAAAAAAAAAAAAAAAAAAAAAAAAAAAAAAAAAAAAAAAAAAAAAAAAAAAAAAAAAAAAAAAAAAAAAAAAAAAAAAAAAAAAAAAAAAAAAAFAAAADwAAAAAAAAAAAAAAAAAAAkUAAAAAQAAABQAAAAUAAAAFAAAAAEAAAAAAAAAZAAAAGQAAAAAAAAAZAAAAGQAAAAVAAAAYAAAAAAAAAAAAAAADwAAACADAAAAAAAAAAAAAAEAAACgMgAAVgcAAKr4//8BAAAAf39/AAEAAABkAAAAAAAAABQAAABAHwAAAAAAACYAAAAAAAAAwOD//wAAAAAmAAAAZAAAABYAAABMAAAAAAAAAAAAAAAEAAAAAAAAAAEAAACAgIAKAAAAACgAAAAoAAAAZAAAAGQAAAAAAAAAzMzMAAAAAABQAAAAUAAAAGQAAABkAAAAAAAAABcAAAAUAAAAAAAAAAAAAAD/fwAA/38AAAAAAAAJAAAABAAAABMRBAAMAAAAEAAAAAAAAAAAAAAAAAAAAAAAAAAeAAAAaAAAAAAAAAAAAAAAAAAAAAAAAAAAAAAAECcAABAnAAAAAAAAAAAAAAAAAAAAAAAAAAAAAAAAAAAAAAAAAAAAABQAAAAAAAAAwMD/AAAAAABkAAAAMgAAAAAAAABkAAAAAAAAAH9/fwAKAAAAHwAAAFQAAAAAAAAFAAAAAQAAAAAAAAAAAAAAAAAAAAAAAAAAAAAAAAAAAAAAAAAAAAAAAn9/fwAAAAADzMzMAMDA/wB/f38AAAAAAAAAAAAAAAAAAAAAAAAAAAAhAAAAGAAAABQAAAA4EwAAGycAAAglAABZKQAAEAAAACYAAAAIAAAAAAAAAAAAAAA="/>
               </a:ext>
             </a:extLst>
           </p:cNvSpPr>
@@ -1465,7 +1465,7 @@
             <a:spLocks noGrp="1" noChangeArrowheads="1"/>
             <a:extLst>
               <a:ext uri="smNativeData">
-                <pr:smNativeData xmlns:pr="smNativeData" val="SMDATA_13_5C6yYxMAAAAlAAAAZAAAAA8BAAAAkAAAAEgAAACQAAAASAAAAAAAAAABAAAAAAAAAAEAAABQAAAAAAAAAAAA4D8AAAAAAADgPwAAAAAAAOA/AAAAAAAA4D8AAAAAAADgPwAAAAAAAOA/AAAAAAAA4D8AAAAAAADgPwAAAAAAAOA/AAAAAAAA4D8CAAAAjAAAAAAAAAAAAAAAu+DjDP///wgAAAAAAAAAAAAAAAAAAAAAAAAAAAAAAAAAAAAAZAAAAAEAAABAAAAAAAAAAAAAAAAAAAAAAAAAAAAAAAAAAAAAAAAAAAAAAAAAAAAAAAAAAAAAAAAAAAAAAAAAAAAAAAAAAAAAAAAAAAAAAAAAAAAAAAAAAAAAAAAAAAAAFAAAADwAAAAAAAAAAAAAAAAAAAkUAAAAAQAAABQAAAAUAAAAFAAAAAEAAAAAAAAAZAAAAGQAAAAAAAAAZAAAAGQAAAAVAAAAYAAAAAAAAAAAAAAADwAAACADAAAAAAAAAAAAAAEAAACgMgAAVgcAAKr4//8BAAAAf39/AAEAAABkAAAAAAAAABQAAABAHwAAAAAAACYAAAAAAAAAwOD//wAAAAAmAAAAZAAAABYAAABMAAAAAAAAAAAAAAAEAAAAAAAAAAEAAACAgIAKAAAAACgAAAAoAAAAZAAAAGQAAAAAAAAAzMzMAAAAAABQAAAAUAAAAGQAAABkAAAAAAAAABcAAAAUAAAAAAAAAAAAAAD/fwAA/38AAAAAAAAJAAAABAAAAL5dAwAMAAAAEAAAAAAAAAAAAAAAAAAAAAAAAAAeAAAAaAAAAAAAAAAAAAAAAAAAAAAAAAAAAAAAECcAABAnAAAAAAAAAAAAAAAAAAAAAAAAAAAAAAAAAAAAAAAAAAAAABQAAAAAAAAAwMD/AAAAAABkAAAAMgAAAAAAAABkAAAAAAAAAH9/fwAKAAAAHwAAAFQAAAAAAAAFAAAAAQAAAAAAAAAAAAAAAAAAAAAAAAAAAAAAAAAAAAAAAAAAAAAAAn9/fwAAAAADzMzMAMDA/wB/f38AAAAAAAAAAAAAAAAAAAAAAAAAAAAhAAAAGAAAABQAAABQKAAAGycAAHA1AABZKQAAEAAAACYAAAAIAAAAAAAAAAAAAAA="/>
+                <pr:smNativeData xmlns:pr="smNativeData" val="SMDATA_13_4y+yYxMAAAAlAAAAZAAAAA8BAAAAkAAAAEgAAACQAAAASAAAAAAAAAABAAAAAAAAAAEAAABQAAAAAAAAAAAA4D8AAAAAAADgPwAAAAAAAOA/AAAAAAAA4D8AAAAAAADgPwAAAAAAAOA/AAAAAAAA4D8AAAAAAADgPwAAAAAAAOA/AAAAAAAA4D8CAAAAjAAAAAAAAAAAAAAAu+DjDP///wgAAAAAAAAAAAAAAAAAAAAAAAAAAAAAAAAAAAAAZAAAAAEAAABAAAAAAAAAAAAAAAAAAAAAAAAAAAAAAAAAAAAAAAAAAAAAAAAAAAAAAAAAAAAAAAAAAAAAAAAAAAAAAAAAAAAAAAAAAAAAAAAAAAAAAAAAAAAAAAAAAAAAFAAAADwAAAAAAAAAAAAAAAAAAAkUAAAAAQAAABQAAAAUAAAAFAAAAAEAAAAAAAAAZAAAAGQAAAAAAAAAZAAAAGQAAAAVAAAAYAAAAAAAAAAAAAAADwAAACADAAAAAAAAAAAAAAEAAACgMgAAVgcAAKr4//8BAAAAf39/AAEAAABkAAAAAAAAABQAAABAHwAAAAAAACYAAAAAAAAAwOD//wAAAAAmAAAAZAAAABYAAABMAAAAAAAAAAAAAAAEAAAAAAAAAAEAAACAgIAKAAAAACgAAAAoAAAAZAAAAGQAAAAAAAAAzMzMAAAAAABQAAAAUAAAAGQAAABkAAAAAAAAABcAAAAUAAAAAAAAAAAAAAD/fwAA/38AAAAAAAAJAAAABAAAAL5dAwAMAAAAEAAAAAAAAAAAAAAAAAAAAAAAAAAeAAAAaAAAAAAAAAAAAAAAAAAAAAAAAAAAAAAAECcAABAnAAAAAAAAAAAAAAAAAAAAAAAAAAAAAAAAAAAAAAAAAAAAABQAAAAAAAAAwMD/AAAAAABkAAAAMgAAAAAAAABkAAAAAAAAAH9/fwAKAAAAHwAAAFQAAAAAAAAFAAAAAQAAAAAAAAAAAAAAAAAAAAAAAAAAAAAAAAAAAAAAAAAAAAAAAn9/fwAAAAADzMzMAMDA/wB/f38AAAAAAAAAAAAAAAAAAAAAAAAAAAAhAAAAGAAAABQAAABQKAAAGycAAHA1AABZKQAAEAAAACYAAAAIAAAAAAAAAAAAAAA="/>
               </a:ext>
             </a:extLst>
           </p:cNvSpPr>
@@ -1479,7 +1479,7 @@
           <a:lstStyle/>
           <a:p>
             <a:pPr/>
-            <a:fld id="{06345535-7BEB-61A3-A58C-8DF61BC253D8}" type="slidenum">
+            <a:fld id="{0608A819-57EB-5D5E-A5B0-A10BE6FE53F4}" type="slidenum">
               <a:t/>
             </a:fld>
           </a:p>
@@ -1517,7 +1517,7 @@
             <a:spLocks noGrp="1" noChangeArrowheads="1"/>
             <a:extLst>
               <a:ext uri="smNativeData">
-                <pr:smNativeData xmlns:pr="smNativeData" val="SMDATA_13_5C6yYxMAAAAlAAAAZAAAAA8BAAAAkAAAAEgAAACQAAAASAAAAAAAAAABAAAAAAAAAAEAAABQAAAAAAAAAAAA4D8AAAAAAADgPwAAAAAAAOA/AAAAAAAA4D8AAAAAAADgPwAAAAAAAOA/AAAAAAAA4D8AAAAAAADgPwAAAAAAAOA/AAAAAAAA4D8CAAAAjAAAAAAAAAAAAAAAu+DjDP///wgAAAAAAAAAAAAAAAAAAAAAAAAAAAAAAAAAAAAAZAAAAAEAAABAAAAAAAAAAAAAAAAAAAAAAAAAAAAAAAAAAAAAAAAAAAAAAAAAAAAAAAAAAAAAAAAAAAAAAAAAAAAAAAAAAAAAAAAAAAAAAAAAAAAAAAAAAAAAAAAAAAAAFAAAADwAAAAAAAAAAAAAAAAAAAkUAAAAAQAAABQAAAAUAAAAFAAAAAEAAAAAAAAAZAAAAGQAAAAAAAAAZAAAAGQAAAAVAAAAYAAAAAAAAAAAAAAADwAAACADAAAAAAAAAAAAAAEAAACgMgAAVgcAAKr4//8BAAAAf39/AAEAAABkAAAAAAAAABQAAABAHwAAAAAAACYAAAAAAAAAwOD//wAAAAAmAAAAZAAAABYAAABMAAAAAAAAAAAAAAAEAAAAAAAAAAEAAACAgIAKAAAAACgAAAAoAAAAZAAAAGQAAAAAAAAAzMzMAAAAAABQAAAAUAAAAGQAAABkAAAAAAAAABcAAAAUAAAAAAAAAAAAAAD/fwAA/38AAAAAAAAJAAAABAAAAAQAxWgMAAAAEAAAAAAAAAAAAAAAAAAAAAAAAAAeAAAAaAAAAAAAAAAAAAAAAAAAAAAAAAAAAAAAECcAABAnAAAAAAAAAAAAAAAAAAAAAAAAAAAAAAAAAAAAAAAAAAAAABQAAAAAAAAAwMD/AAAAAABkAAAAMgAAAAAAAABkAAAAAAAAAH9/fwAKAAAAHwAAAFQAAAAAAAAFAAAAAQAAAAAAAAAAAAAAAAAAAAAAAAAAAAAAAAAAAAAAAAAAAAAAAn9/fwAAAAADzMzMAMDA/wB/f38AAAAAAAAAAAAAAAAAAAAAAAAAAAAhAAAAGAAAABQAAADQAgAAsAEAAHA1AAC4CAAAEAAAACYAAAAIAAAAAAAAAAAAAAA="/>
+                <pr:smNativeData xmlns:pr="smNativeData" val="SMDATA_13_4y+yYxMAAAAlAAAAZAAAAA8BAAAAkAAAAEgAAACQAAAASAAAAAAAAAABAAAAAAAAAAEAAABQAAAAAAAAAAAA4D8AAAAAAADgPwAAAAAAAOA/AAAAAAAA4D8AAAAAAADgPwAAAAAAAOA/AAAAAAAA4D8AAAAAAADgPwAAAAAAAOA/AAAAAAAA4D8CAAAAjAAAAAAAAAAAAAAAu+DjDP///wgAAAAAAAAAAAAAAAAAAAAAAAAAAAAAAAAAAAAAZAAAAAEAAABAAAAAAAAAAAAAAAAAAAAAAAAAAAAAAAAAAAAAAAAAAAAAAAAAAAAAAAAAAAAAAAAAAAAAAAAAAAAAAAAAAAAAAAAAAAAAAAAAAAAAAAAAAAAAAAAAAAAAFAAAADwAAAAAAAAAAAAAAAAAAAkUAAAAAQAAABQAAAAUAAAAFAAAAAEAAAAAAAAAZAAAAGQAAAAAAAAAZAAAAGQAAAAVAAAAYAAAAAAAAAAAAAAADwAAACADAAAAAAAAAAAAAAEAAACgMgAAVgcAAKr4//8BAAAAf39/AAEAAABkAAAAAAAAABQAAABAHwAAAAAAACYAAAAAAAAAwOD//wAAAAAmAAAAZAAAABYAAABMAAAAAAAAAAAAAAAEAAAAAAAAAAEAAACAgIAKAAAAACgAAAAoAAAAZAAAAGQAAAAAAAAAzMzMAAAAAABQAAAAUAAAAGQAAABkAAAAAAAAABcAAAAUAAAAAAAAAAAAAAD/fwAA/38AAAAAAAAJAAAABAAAAAQAxWgMAAAAEAAAAAAAAAAAAAAAAAAAAAAAAAAeAAAAaAAAAAAAAAAAAAAAAAAAAAAAAAAAAAAAECcAABAnAAAAAAAAAAAAAAAAAAAAAAAAAAAAAAAAAAAAAAAAAAAAABQAAAAAAAAAwMD/AAAAAABkAAAAMgAAAAAAAABkAAAAAAAAAH9/fwAKAAAAHwAAAFQAAAAAAAAFAAAAAQAAAAAAAAAAAAAAAAAAAAAAAAAAAAAAAAAAAAAAAAAAAAAAAn9/fwAAAAADzMzMAMDA/wB/f38AAAAAAAAAAAAAAAAAAAAAAAAAAAAhAAAAGAAAABQAAADQAgAAsAEAAHA1AAC4CAAAEAAAACYAAAAIAAAAAAAAAAAAAAA="/>
               </a:ext>
             </a:extLst>
           </p:cNvSpPr>
@@ -1544,7 +1544,7 @@
             <a:spLocks noGrp="1" noChangeArrowheads="1"/>
             <a:extLst>
               <a:ext uri="smNativeData">
-                <pr:smNativeData xmlns:pr="smNativeData" val="SMDATA_13_5C6yYxMAAAAlAAAAZAAAAA8BAAAAkAAAAEgAAACQAAAASAAAAAAAAAACAAAAAAAAAAEAAABQAAAAAAAAAAAA4D8AAAAAAADgPwAAAAAAAOA/AAAAAAAA4D8AAAAAAADgPwAAAAAAAOA/AAAAAAAA4D8AAAAAAADgPwAAAAAAAOA/AAAAAAAA4D8CAAAAjAAAAAAAAAAAAAAAu+DjDP///wgAAAAAAAAAAAAAAAAAAAAAAAAAAAAAAAAAAAAAZAAAAAEAAABAAAAAAAAAAAAAAAAAAAAAAAAAAAAAAAAAAAAAAAAAAAAAAAAAAAAAAAAAAAAAAAAAAAAAAAAAAAAAAAAAAAAAAAAAAAAAAAAAAAAAAAAAAAAAAAAAAAAAFAAAADwAAAAAAAAAAAAAAAAAAAkUAAAAAQAAABQAAAAUAAAAFAAAAAEAAAAAAAAAZAAAAGQAAAAAAAAAZAAAAGQAAAAVAAAAYAAAAAAAAAAAAAAADwAAACADAAAAAAAAAAAAAAEAAACgMgAAVgcAAKr4//8BAAAAf39/AAEAAABkAAAAAAAAABQAAABAHwAAAAAAACYAAAAAAAAAwOD//wAAAAAmAAAAZAAAABYAAABMAAAAAAAAAAAAAAAEAAAAAAAAAAEAAACAgIAKAAAAACgAAAAoAAAAZAAAAGQAAAAAAAAAzMzMAAAAAABQAAAAUAAAAGQAAABkAAAAAAAAABcAAAAUAAAAAAAAAAAAAAD/fwAA/38AAAAAAAAJAAAABAAAAAMAbkEMAAAAEAAAAAAAAAAAAAAAAAAAAAAAAAAeAAAAaAAAAAAAAAAAAAAAAAAAAAAAAAAAAAAAECcAABAnAAAAAAAAAAAAAAAAAAAAAAAAAAAAAAAAAAAAAAAAAAAAABQAAAAAAAAAwMD/AAAAAABkAAAAMgAAAAAAAABkAAAAAAAAAH9/fwAKAAAAHwAAAFQAAAAAAAAFAAAAAQAAAAAAAAAAAAAAAAAAAAAAAAAAAAAAAAAAAAAAAAAAAAAAAn9/fwAAAAADzMzMAMDA/wB/f38AAAAAAAAAAAAAAAAAAAAAAAAAAAAhAAAAGAAAABQAAADQAgAAcQkAAKobAABhDQAAEAAAACYAAAAIAAAAgYAAAAAAAAA="/>
+                <pr:smNativeData xmlns:pr="smNativeData" val="SMDATA_13_4y+yYxMAAAAlAAAAZAAAAA8BAAAAkAAAAEgAAACQAAAASAAAAAAAAAACAAAAAAAAAAEAAABQAAAAAAAAAAAA4D8AAAAAAADgPwAAAAAAAOA/AAAAAAAA4D8AAAAAAADgPwAAAAAAAOA/AAAAAAAA4D8AAAAAAADgPwAAAAAAAOA/AAAAAAAA4D8CAAAAjAAAAAAAAAAAAAAAu+DjDP///wgAAAAAAAAAAAAAAAAAAAAAAAAAAAAAAAAAAAAAZAAAAAEAAABAAAAAAAAAAAAAAAAAAAAAAAAAAAAAAAAAAAAAAAAAAAAAAAAAAAAAAAAAAAAAAAAAAAAAAAAAAAAAAAAAAAAAAAAAAAAAAAAAAAAAAAAAAAAAAAAAAAAAFAAAADwAAAAAAAAAAAAAAAAAAAkUAAAAAQAAABQAAAAUAAAAFAAAAAEAAAAAAAAAZAAAAGQAAAAAAAAAZAAAAGQAAAAVAAAAYAAAAAAAAAAAAAAADwAAACADAAAAAAAAAAAAAAEAAACgMgAAVgcAAKr4//8BAAAAf39/AAEAAABkAAAAAAAAABQAAABAHwAAAAAAACYAAAAAAAAAwOD//wAAAAAmAAAAZAAAABYAAABMAAAAAAAAAAAAAAAEAAAAAAAAAAEAAACAgIAKAAAAACgAAAAoAAAAZAAAAGQAAAAAAAAAzMzMAAAAAABQAAAAUAAAAGQAAABkAAAAAAAAABcAAAAUAAAAAAAAAAAAAAD/fwAA/38AAAAAAAAJAAAABAAAAAMAbkEMAAAAEAAAAAAAAAAAAAAAAAAAAAAAAAAeAAAAaAAAAAAAAAAAAAAAAAAAAAAAAAAAAAAAECcAABAnAAAAAAAAAAAAAAAAAAAAAAAAAAAAAAAAAAAAAAAAAAAAABQAAAAAAAAAwMD/AAAAAABkAAAAMgAAAAAAAABkAAAAAAAAAH9/fwAKAAAAHwAAAFQAAAAAAAAFAAAAAQAAAAAAAAAAAAAAAAAAAAAAAAAAAAAAAAAAAAAAAAAAAAAAAn9/fwAAAAADzMzMAMDA/wB/f38AAAAAAAAAAAAAAAAAAAAAAAAAAAAhAAAAGAAAABQAAADQAgAAcQkAAKobAABhDQAAEAAAACYAAAAIAAAAgYAAAAAAAAA="/>
               </a:ext>
             </a:extLst>
           </p:cNvSpPr>
@@ -1617,7 +1617,7 @@
             <a:spLocks noGrp="1" noChangeArrowheads="1"/>
             <a:extLst>
               <a:ext uri="smNativeData">
-                <pr:smNativeData xmlns:pr="smNativeData" val="SMDATA_13_5C6yYxMAAAAlAAAAZAAAAA8BAAAAkAAAAEgAAACQAAAASAAAAAAAAAAAAAAAAAAAAAEAAABQAAAAAAAAAAAA4D8AAAAAAADgPwAAAAAAAOA/AAAAAAAA4D8AAAAAAADgPwAAAAAAAOA/AAAAAAAA4D8AAAAAAADgPwAAAAAAAOA/AAAAAAAA4D8CAAAAjAAAAAAAAAAAAAAAu+DjDP///wgAAAAAAAAAAAAAAAAAAAAAAAAAAAAAAAAAAAAAZAAAAAEAAABAAAAAAAAAAAAAAAAAAAAAAAAAAAAAAAAAAAAAAAAAAAAAAAAAAAAAAAAAAAAAAAAAAAAAAAAAAAAAAAAAAAAAAAAAAAAAAAAAAAAAAAAAAAAAAAAAAAAAFAAAADwAAAAAAAAAAAAAAAAAAAkUAAAAAQAAABQAAAAUAAAAFAAAAAEAAAAAAAAAZAAAAGQAAAAAAAAAZAAAAGQAAAAVAAAAYAAAAAAAAAAAAAAADwAAACADAAAAAAAAAAAAAAEAAACgMgAAVgcAAKr4//8BAAAAf39/AAEAAABkAAAAAAAAABQAAABAHwAAAAAAACYAAAAAAAAAwOD//wAAAAAmAAAAZAAAABYAAABMAAAAAAAAAAAAAAAEAAAAAAAAAAEAAACAgIAKAAAAACgAAAAoAAAAZAAAAGQAAAAAAAAAzMzMAAAAAABQAAAAUAAAAGQAAABkAAAAAAAAABcAAAAUAAAAAAAAAAAAAAD/fwAA/38AAAAAAAAJAAAABAAAAAMAhUEMAAAAEAAAAAAAAAAAAAAAAAAAAAAAAAAeAAAAaAAAAAAAAAAAAAAAAAAAAAAAAAAAAAAAECcAABAnAAAAAAAAAAAAAAAAAAAAAAAAAAAAAAAAAAAAAAAAAAAAABQAAAAAAAAAwMD/AAAAAABkAAAAMgAAAAAAAABkAAAAAAAAAH9/fwAKAAAAHwAAAFQAAAAAAAAFAAAAAQAAAAAAAAAAAAAAAAAAAAAAAAAAAAAAAAAAAAAAAAAAAAAAAn9/fwAAAAADzMzMAMDA/wB/f38AAAAAAAAAAAAAAAAAAAAAAAAAAAAhAAAAGAAAABQAAADQAgAAYQ0AAKobAACwJQAAEAAAACYAAAAIAAAAAYAAAAAAAAA="/>
+                <pr:smNativeData xmlns:pr="smNativeData" val="SMDATA_13_4y+yYxMAAAAlAAAAZAAAAA8BAAAAkAAAAEgAAACQAAAASAAAAAAAAAAAAAAAAAAAAAEAAABQAAAAAAAAAAAA4D8AAAAAAADgPwAAAAAAAOA/AAAAAAAA4D8AAAAAAADgPwAAAAAAAOA/AAAAAAAA4D8AAAAAAADgPwAAAAAAAOA/AAAAAAAA4D8CAAAAjAAAAAAAAAAAAAAAu+DjDP///wgAAAAAAAAAAAAAAAAAAAAAAAAAAAAAAAAAAAAAZAAAAAEAAABAAAAAAAAAAAAAAAAAAAAAAAAAAAAAAAAAAAAAAAAAAAAAAAAAAAAAAAAAAAAAAAAAAAAAAAAAAAAAAAAAAAAAAAAAAAAAAAAAAAAAAAAAAAAAAAAAAAAAFAAAADwAAAAAAAAAAAAAAAAAAAkUAAAAAQAAABQAAAAUAAAAFAAAAAEAAAAAAAAAZAAAAGQAAAAAAAAAZAAAAGQAAAAVAAAAYAAAAAAAAAAAAAAADwAAACADAAAAAAAAAAAAAAEAAACgMgAAVgcAAKr4//8BAAAAf39/AAEAAABkAAAAAAAAABQAAABAHwAAAAAAACYAAAAAAAAAwOD//wAAAAAmAAAAZAAAABYAAABMAAAAAAAAAAAAAAAEAAAAAAAAAAEAAACAgIAKAAAAACgAAAAoAAAAZAAAAGQAAAAAAAAAzMzMAAAAAABQAAAAUAAAAGQAAABkAAAAAAAAABcAAAAUAAAAAAAAAAAAAAD/fwAA/38AAAAAAAAJAAAABAAAAAMAhUEMAAAAEAAAAAAAAAAAAAAAAAAAAAAAAAAeAAAAaAAAAAAAAAAAAAAAAAAAAAAAAAAAAAAAECcAABAnAAAAAAAAAAAAAAAAAAAAAAAAAAAAAAAAAAAAAAAAAAAAABQAAAAAAAAAwMD/AAAAAABkAAAAMgAAAAAAAABkAAAAAAAAAH9/fwAKAAAAHwAAAFQAAAAAAAAFAAAAAQAAAAAAAAAAAAAAAAAAAAAAAAAAAAAAAAAAAAAAAAAAAAAAAn9/fwAAAAADzMzMAMDA/wB/f38AAAAAAAAAAAAAAAAAAAAAAAAAAAAhAAAAGAAAABQAAADQAgAAYQ0AAKobAACwJQAAEAAAACYAAAAIAAAAAYAAAAAAAAA="/>
               </a:ext>
             </a:extLst>
           </p:cNvSpPr>
@@ -1701,7 +1701,7 @@
             <a:spLocks noGrp="1" noChangeArrowheads="1"/>
             <a:extLst>
               <a:ext uri="smNativeData">
-                <pr:smNativeData xmlns:pr="smNativeData" val="SMDATA_13_5C6yYxMAAAAlAAAAZAAAAA8BAAAAkAAAAEgAAACQAAAASAAAAAAAAAACAAAAAAAAAAEAAABQAAAAAAAAAAAA4D8AAAAAAADgPwAAAAAAAOA/AAAAAAAA4D8AAAAAAADgPwAAAAAAAOA/AAAAAAAA4D8AAAAAAADgPwAAAAAAAOA/AAAAAAAA4D8CAAAAjAAAAAAAAAAAAAAAu+DjDP///wgAAAAAAAAAAAAAAAAAAAAAAAAAAAAAAAAAAAAAZAAAAAEAAABAAAAAAAAAAAAAAAAAAAAAAAAAAAAAAAAAAAAAAAAAAAAAAAAAAAAAAAAAAAAAAAAAAAAAAAAAAAAAAAAAAAAAAAAAAAAAAAAAAAAAAAAAAAAAAAAAAAAAFAAAADwAAAAAAAAAAAAAAAAAAAkUAAAAAQAAABQAAAAUAAAAFAAAAAEAAAAAAAAAZAAAAGQAAAAAAAAAZAAAAGQAAAAVAAAAYAAAAAAAAAAAAAAADwAAACADAAAAAAAAAAAAAAEAAACgMgAAVgcAAKr4//8BAAAAf39/AAEAAABkAAAAAAAAABQAAABAHwAAAAAAACYAAAAAAAAAwOD//wAAAAAmAAAAZAAAABYAAABMAAAAAAAAAAAAAAAEAAAAAAAAAAEAAACAgIAKAAAAACgAAAAoAAAAZAAAAGQAAAAAAAAAzMzMAAAAAABQAAAAUAAAAGQAAABkAAAAAAAAABcAAAAUAAAAAAAAAAAAAAD/fwAA/38AAAAAAAAJAAAABAAAAOOYAwAMAAAAEAAAAAAAAAAAAAAAAAAAAAAAAAAeAAAAaAAAAAAAAAAAAAAAAAAAAAAAAAAAAAAAECcAABAnAAAAAAAAAAAAAAAAAAAAAAAAAAAAAAAAAAAAAAAAAAAAABQAAAAAAAAAwMD/AAAAAABkAAAAMgAAAAAAAABkAAAAAAAAAH9/fwAKAAAAHwAAAFQAAAAAAAAFAAAAAQAAAAAAAAAAAAAAAAAAAAAAAAAAAAAAAAAAAAAAAAAAAAAAAn9/fwAAAAADzMzMAMDA/wB/f38AAAAAAAAAAAAAAAAAAAAAAAAAAAAhAAAAGAAAABQAAACWHAAAcQkAAHA1AABhDQAAEAAAACYAAAAIAAAAgYAAAAAAAAA="/>
+                <pr:smNativeData xmlns:pr="smNativeData" val="SMDATA_13_4y+yYxMAAAAlAAAAZAAAAA8BAAAAkAAAAEgAAACQAAAASAAAAAAAAAACAAAAAAAAAAEAAABQAAAAAAAAAAAA4D8AAAAAAADgPwAAAAAAAOA/AAAAAAAA4D8AAAAAAADgPwAAAAAAAOA/AAAAAAAA4D8AAAAAAADgPwAAAAAAAOA/AAAAAAAA4D8CAAAAjAAAAAAAAAAAAAAAu+DjDP///wgAAAAAAAAAAAAAAAAAAAAAAAAAAAAAAAAAAAAAZAAAAAEAAABAAAAAAAAAAAAAAAAAAAAAAAAAAAAAAAAAAAAAAAAAAAAAAAAAAAAAAAAAAAAAAAAAAAAAAAAAAAAAAAAAAAAAAAAAAAAAAAAAAAAAAAAAAAAAAAAAAAAAFAAAADwAAAAAAAAAAAAAAAAAAAkUAAAAAQAAABQAAAAUAAAAFAAAAAEAAAAAAAAAZAAAAGQAAAAAAAAAZAAAAGQAAAAVAAAAYAAAAAAAAAAAAAAADwAAACADAAAAAAAAAAAAAAEAAACgMgAAVgcAAKr4//8BAAAAf39/AAEAAABkAAAAAAAAABQAAABAHwAAAAAAACYAAAAAAAAAwOD//wAAAAAmAAAAZAAAABYAAABMAAAAAAAAAAAAAAAEAAAAAAAAAAEAAACAgIAKAAAAACgAAAAoAAAAZAAAAGQAAAAAAAAAzMzMAAAAAABQAAAAUAAAAGQAAABkAAAAAAAAABcAAAAUAAAAAAAAAAAAAAD/fwAA/38AAAAAAAAJAAAABAAAAOOYAwAMAAAAEAAAAAAAAAAAAAAAAAAAAAAAAAAeAAAAaAAAAAAAAAAAAAAAAAAAAAAAAAAAAAAAECcAABAnAAAAAAAAAAAAAAAAAAAAAAAAAAAAAAAAAAAAAAAAAAAAABQAAAAAAAAAwMD/AAAAAABkAAAAMgAAAAAAAABkAAAAAAAAAH9/fwAKAAAAHwAAAFQAAAAAAAAFAAAAAQAAAAAAAAAAAAAAAAAAAAAAAAAAAAAAAAAAAAAAAAAAAAAAAn9/fwAAAAADzMzMAMDA/wB/f38AAAAAAAAAAAAAAAAAAAAAAAAAAAAhAAAAGAAAABQAAACWHAAAcQkAAHA1AABhDQAAEAAAACYAAAAIAAAAgYAAAAAAAAA="/>
               </a:ext>
             </a:extLst>
           </p:cNvSpPr>
@@ -1774,7 +1774,7 @@
             <a:spLocks noGrp="1" noChangeArrowheads="1"/>
             <a:extLst>
               <a:ext uri="smNativeData">
-                <pr:smNativeData xmlns:pr="smNativeData" val="SMDATA_13_5C6yYxMAAAAlAAAAZAAAAA8BAAAAkAAAAEgAAACQAAAASAAAAAAAAAAAAAAAAAAAAAEAAABQAAAAAAAAAAAA4D8AAAAAAADgPwAAAAAAAOA/AAAAAAAA4D8AAAAAAADgPwAAAAAAAOA/AAAAAAAA4D8AAAAAAADgPwAAAAAAAOA/AAAAAAAA4D8CAAAAjAAAAAAAAAAAAAAAu+DjDP///wgAAAAAAAAAAAAAAAAAAAAAAAAAAAAAAAAAAAAAZAAAAAEAAABAAAAAAAAAAAAAAAAAAAAAAAAAAAAAAAAAAAAAAAAAAAAAAAAAAAAAAAAAAAAAAAAAAAAAAAAAAAAAAAAAAAAAAAAAAAAAAAAAAAAAAAAAAAAAAAAAAAAAFAAAADwAAAAAAAAAAAAAAAAAAAkUAAAAAQAAABQAAAAUAAAAFAAAAAEAAAAAAAAAZAAAAGQAAAAAAAAAZAAAAGQAAAAVAAAAYAAAAAAAAAAAAAAADwAAACADAAAAAAAAAAAAAAEAAACgMgAAVgcAAKr4//8BAAAAf39/AAEAAABkAAAAAAAAABQAAABAHwAAAAAAACYAAAAAAAAAwOD//wAAAAAmAAAAZAAAABYAAABMAAAAAAAAAAAAAAAEAAAAAAAAAAEAAACAgIAKAAAAACgAAAAoAAAAZAAAAGQAAAAAAAAAzMzMAAAAAABQAAAAUAAAAGQAAABkAAAAAAAAABcAAAAUAAAAAAAAAAAAAAD/fwAA/38AAAAAAAAJAAAABAAAAAMAjgwMAAAAEAAAAAAAAAAAAAAAAAAAAAAAAAAeAAAAaAAAAAAAAAAAAAAAAAAAAAAAAAAAAAAAECcAABAnAAAAAAAAAAAAAAAAAAAAAAAAAAAAAAAAAAAAAAAAAAAAABQAAAAAAAAAwMD/AAAAAABkAAAAMgAAAAAAAABkAAAAAAAAAH9/fwAKAAAAHwAAAFQAAAAAAAAFAAAAAQAAAAAAAAAAAAAAAAAAAAAAAAAAAAAAAAAAAAAAAAAAAAAAAn9/fwAAAAADzMzMAMDA/wB/f38AAAAAAAAAAAAAAAAAAAAAAAAAAAAhAAAAGAAAABQAAACWHAAAYQ0AAHA1AACwJQAAEAAAACYAAAAIAAAAAYAAAAAAAAA="/>
+                <pr:smNativeData xmlns:pr="smNativeData" val="SMDATA_13_4y+yYxMAAAAlAAAAZAAAAA8BAAAAkAAAAEgAAACQAAAASAAAAAAAAAAAAAAAAAAAAAEAAABQAAAAAAAAAAAA4D8AAAAAAADgPwAAAAAAAOA/AAAAAAAA4D8AAAAAAADgPwAAAAAAAOA/AAAAAAAA4D8AAAAAAADgPwAAAAAAAOA/AAAAAAAA4D8CAAAAjAAAAAAAAAAAAAAAu+DjDP///wgAAAAAAAAAAAAAAAAAAAAAAAAAAAAAAAAAAAAAZAAAAAEAAABAAAAAAAAAAAAAAAAAAAAAAAAAAAAAAAAAAAAAAAAAAAAAAAAAAAAAAAAAAAAAAAAAAAAAAAAAAAAAAAAAAAAAAAAAAAAAAAAAAAAAAAAAAAAAAAAAAAAAFAAAADwAAAAAAAAAAAAAAAAAAAkUAAAAAQAAABQAAAAUAAAAFAAAAAEAAAAAAAAAZAAAAGQAAAAAAAAAZAAAAGQAAAAVAAAAYAAAAAAAAAAAAAAADwAAACADAAAAAAAAAAAAAAEAAACgMgAAVgcAAKr4//8BAAAAf39/AAEAAABkAAAAAAAAABQAAABAHwAAAAAAACYAAAAAAAAAwOD//wAAAAAmAAAAZAAAABYAAABMAAAAAAAAAAAAAAAEAAAAAAAAAAEAAACAgIAKAAAAACgAAAAoAAAAZAAAAGQAAAAAAAAAzMzMAAAAAABQAAAAUAAAAGQAAABkAAAAAAAAABcAAAAUAAAAAAAAAAAAAAD/fwAA/38AAAAAAAAJAAAABAAAAAMAjgwMAAAAEAAAAAAAAAAAAAAAAAAAAAAAAAAeAAAAaAAAAAAAAAAAAAAAAAAAAAAAAAAAAAAAECcAABAnAAAAAAAAAAAAAAAAAAAAAAAAAAAAAAAAAAAAAAAAAAAAABQAAAAAAAAAwMD/AAAAAABkAAAAMgAAAAAAAABkAAAAAAAAAH9/fwAKAAAAHwAAAFQAAAAAAAAFAAAAAQAAAAAAAAAAAAAAAAAAAAAAAAAAAAAAAAAAAAAAAAAAAAAAAn9/fwAAAAADzMzMAMDA/wB/f38AAAAAAAAAAAAAAAAAAAAAAAAAAAAhAAAAGAAAABQAAACWHAAAYQ0AAHA1AACwJQAAEAAAACYAAAAIAAAAAYAAAAAAAAA="/>
               </a:ext>
             </a:extLst>
           </p:cNvSpPr>
@@ -1858,7 +1858,7 @@
             <a:spLocks noGrp="1" noChangeArrowheads="1"/>
             <a:extLst>
               <a:ext uri="smNativeData">
-                <pr:smNativeData xmlns:pr="smNativeData" val="SMDATA_13_5C6yYxMAAAAlAAAAZAAAAA8BAAAAkAAAAEgAAACQAAAASAAAAAAAAAABAAAAAAAAAAEAAABQAAAAAAAAAAAA4D8AAAAAAADgPwAAAAAAAOA/AAAAAAAA4D8AAAAAAADgPwAAAAAAAOA/AAAAAAAA4D8AAAAAAADgPwAAAAAAAOA/AAAAAAAA4D8CAAAAjAAAAAAAAAAAAAAAu+DjDP///wgAAAAAAAAAAAAAAAAAAAAAAAAAAAAAAAAAAAAAZAAAAAEAAABAAAAAAAAAAAAAAAAAAAAAAAAAAAAAAAAAAAAAAAAAAAAAAAAAAAAAAAAAAAAAAAAAAAAAAAAAAAAAAAAAAAAAAAAAAAAAAAAAAAAAAAAAAAAAAAAAAAAAFAAAADwAAAAAAAAAAAAAAAAAAAkUAAAAAQAAABQAAAAUAAAAFAAAAAEAAAAAAAAAZAAAAGQAAAAAAAAAZAAAAGQAAAAVAAAAYAAAAAAAAAAAAAAADwAAACADAAAAAAAAAAAAAAEAAACgMgAAVgcAAKr4//8BAAAAf39/AAEAAABkAAAAAAAAABQAAABAHwAAAAAAACYAAAAAAAAAwOD//wAAAAAmAAAAZAAAABYAAABMAAAAAAAAAAAAAAAEAAAAAAAAAAEAAACAgIAKAAAAACgAAAAoAAAAZAAAAGQAAAAAAAAAzMzMAAAAAABQAAAAUAAAAGQAAABkAAAAAAAAABcAAAAUAAAAAAAAAAAAAAD/fwAA/38AAAAAAAAJAAAABAAAAM9Aa2gMAAAAEAAAAAAAAAAAAAAAAAAAAAAAAAAeAAAAaAAAAAAAAAAAAAAAAAAAAAAAAAAAAAAAECcAABAnAAAAAAAAAAAAAAAAAAAAAAAAAAAAAAAAAAAAAAAAAAAAABQAAAAAAAAAwMD/AAAAAABkAAAAMgAAAAAAAABkAAAAAAAAAH9/fwAKAAAAHwAAAFQAAAAAAAAFAAAAAQAAAAAAAAAAAAAAAAAAAAAAAAAAAAAAAAAAAAAAAAAAAAAAAn9/fwAAAAADzMzMAMDA/wB/f38AAAAAAAAAAAAAAAAAAAAAAAAAAAAhAAAAGAAAABQAAADQAgAAGycAAPAPAABZKQAAEAAAACYAAAAIAAAAAAAAAAAAAAA="/>
+                <pr:smNativeData xmlns:pr="smNativeData" val="SMDATA_13_4y+yYxMAAAAlAAAAZAAAAA8BAAAAkAAAAEgAAACQAAAASAAAAAAAAAABAAAAAAAAAAEAAABQAAAAAAAAAAAA4D8AAAAAAADgPwAAAAAAAOA/AAAAAAAA4D8AAAAAAADgPwAAAAAAAOA/AAAAAAAA4D8AAAAAAADgPwAAAAAAAOA/AAAAAAAA4D8CAAAAjAAAAAAAAAAAAAAAu+DjDP///wgAAAAAAAAAAAAAAAAAAAAAAAAAAAAAAAAAAAAAZAAAAAEAAABAAAAAAAAAAAAAAAAAAAAAAAAAAAAAAAAAAAAAAAAAAAAAAAAAAAAAAAAAAAAAAAAAAAAAAAAAAAAAAAAAAAAAAAAAAAAAAAAAAAAAAAAAAAAAAAAAAAAAFAAAADwAAAAAAAAAAAAAAAAAAAkUAAAAAQAAABQAAAAUAAAAFAAAAAEAAAAAAAAAZAAAAGQAAAAAAAAAZAAAAGQAAAAVAAAAYAAAAAAAAAAAAAAADwAAACADAAAAAAAAAAAAAAEAAACgMgAAVgcAAKr4//8BAAAAf39/AAEAAABkAAAAAAAAABQAAABAHwAAAAAAACYAAAAAAAAAwOD//wAAAAAmAAAAZAAAABYAAABMAAAAAAAAAAAAAAAEAAAAAAAAAAEAAACAgIAKAAAAACgAAAAoAAAAZAAAAGQAAAAAAAAAzMzMAAAAAABQAAAAUAAAAGQAAABkAAAAAAAAABcAAAAUAAAAAAAAAAAAAAD/fwAA/38AAAAAAAAJAAAABAAAAM9Aa2gMAAAAEAAAAAAAAAAAAAAAAAAAAAAAAAAeAAAAaAAAAAAAAAAAAAAAAAAAAAAAAAAAAAAAECcAABAnAAAAAAAAAAAAAAAAAAAAAAAAAAAAAAAAAAAAAAAAAAAAABQAAAAAAAAAwMD/AAAAAABkAAAAMgAAAAAAAABkAAAAAAAAAH9/fwAKAAAAHwAAAFQAAAAAAAAFAAAAAQAAAAAAAAAAAAAAAAAAAAAAAAAAAAAAAAAAAAAAAAAAAAAAAn9/fwAAAAADzMzMAMDA/wB/f38AAAAAAAAAAAAAAAAAAAAAAAAAAAAhAAAAGAAAABQAAADQAgAAGycAAPAPAABZKQAAEAAAACYAAAAIAAAAAAAAAAAAAAA="/>
               </a:ext>
             </a:extLst>
           </p:cNvSpPr>
@@ -1872,7 +1872,7 @@
           <a:lstStyle/>
           <a:p>
             <a:pPr/>
-            <a:fld id="{06341E8A-C4EB-61E8-A58C-32BD50C25367}" type="datetime1">
+            <a:fld id="{060895A7-E9EB-5D63-A5B0-1F36DBFE534A}" type="datetime1">
               <a:t/>
             </a:fld>
           </a:p>
@@ -1885,7 +1885,7 @@
             <a:spLocks noGrp="1" noChangeArrowheads="1"/>
             <a:extLst>
               <a:ext uri="smNativeData">
-                <pr:smNativeData xmlns:pr="smNativeData" val="SMDATA_13_5C6yYxMAAAAlAAAAZAAAAA8BAAAAkAAAAEgAAACQAAAASAAAAAAAAAABAAAAAAAAAAEAAABQAAAAAAAAAAAA4D8AAAAAAADgPwAAAAAAAOA/AAAAAAAA4D8AAAAAAADgPwAAAAAAAOA/AAAAAAAA4D8AAAAAAADgPwAAAAAAAOA/AAAAAAAA4D8CAAAAjAAAAAAAAAAAAAAAu+DjDP///wgAAAAAAAAAAAAAAAAAAAAAAAAAAAAAAAAAAAAAZAAAAAEAAABAAAAAAAAAAAAAAAAAAAAAAAAAAAAAAAAAAAAAAAAAAAAAAAAAAAAAAAAAAAAAAAAAAAAAAAAAAAAAAAAAAAAAAAAAAAAAAAAAAAAAAAAAAAAAAAAAAAAAFAAAADwAAAAAAAAAAAAAAAAAAAkUAAAAAQAAABQAAAAUAAAAFAAAAAEAAAAAAAAAZAAAAGQAAAAAAAAAZAAAAGQAAAAVAAAAYAAAAAAAAAAAAAAADwAAACADAAAAAAAAAAAAAAEAAACgMgAAVgcAAKr4//8BAAAAf39/AAEAAABkAAAAAAAAABQAAABAHwAAAAAAACYAAAAAAAAAwOD//wAAAAAmAAAAZAAAABYAAABMAAAAAAAAAAAAAAAEAAAAAAAAAAEAAACAgIAKAAAAACgAAAAoAAAAZAAAAGQAAAAAAAAAzMzMAAAAAABQAAAAUAAAAGQAAABkAAAAAAAAABcAAAAUAAAAAAAAAAAAAAD/fwAA/38AAAAAAAAJAAAABAAAAHJ+AwAMAAAAEAAAAAAAAAAAAAAAAAAAAAAAAAAeAAAAaAAAAAAAAAAAAAAAAAAAAAAAAAAAAAAAECcAABAnAAAAAAAAAAAAAAAAAAAAAAAAAAAAAAAAAAAAAAAAAAAAABQAAAAAAAAAwMD/AAAAAABkAAAAMgAAAAAAAABkAAAAAAAAAH9/fwAKAAAAHwAAAFQAAAAAAAAFAAAAAQAAAAAAAAAAAAAAAAAAAAAAAAAAAAAAAAAAAAAAAAAAAAAAAn9/fwAAAAADzMzMAMDA/wB/f38AAAAAAAAAAAAAAAAAAAAAAAAAAAAhAAAAGAAAABQAAAA4EwAAGycAAAglAABZKQAAEAAAACYAAAAIAAAAAAAAAAAAAAA="/>
+                <pr:smNativeData xmlns:pr="smNativeData" val="SMDATA_13_4y+yYxMAAAAlAAAAZAAAAA8BAAAAkAAAAEgAAACQAAAASAAAAAAAAAABAAAAAAAAAAEAAABQAAAAAAAAAAAA4D8AAAAAAADgPwAAAAAAAOA/AAAAAAAA4D8AAAAAAADgPwAAAAAAAOA/AAAAAAAA4D8AAAAAAADgPwAAAAAAAOA/AAAAAAAA4D8CAAAAjAAAAAAAAAAAAAAAu+DjDP///wgAAAAAAAAAAAAAAAAAAAAAAAAAAAAAAAAAAAAAZAAAAAEAAABAAAAAAAAAAAAAAAAAAAAAAAAAAAAAAAAAAAAAAAAAAAAAAAAAAAAAAAAAAAAAAAAAAAAAAAAAAAAAAAAAAAAAAAAAAAAAAAAAAAAAAAAAAAAAAAAAAAAAFAAAADwAAAAAAAAAAAAAAAAAAAkUAAAAAQAAABQAAAAUAAAAFAAAAAEAAAAAAAAAZAAAAGQAAAAAAAAAZAAAAGQAAAAVAAAAYAAAAAAAAAAAAAAADwAAACADAAAAAAAAAAAAAAEAAACgMgAAVgcAAKr4//8BAAAAf39/AAEAAABkAAAAAAAAABQAAABAHwAAAAAAACYAAAAAAAAAwOD//wAAAAAmAAAAZAAAABYAAABMAAAAAAAAAAAAAAAEAAAAAAAAAAEAAACAgIAKAAAAACgAAAAoAAAAZAAAAGQAAAAAAAAAzMzMAAAAAABQAAAAUAAAAGQAAABkAAAAAAAAABcAAAAUAAAAAAAAAAAAAAD/fwAA/38AAAAAAAAJAAAABAAAAHJ+AwAMAAAAEAAAAAAAAAAAAAAAAAAAAAAAAAAeAAAAaAAAAAAAAAAAAAAAAAAAAAAAAAAAAAAAECcAABAnAAAAAAAAAAAAAAAAAAAAAAAAAAAAAAAAAAAAAAAAAAAAABQAAAAAAAAAwMD/AAAAAABkAAAAMgAAAAAAAABkAAAAAAAAAH9/fwAKAAAAHwAAAFQAAAAAAAAFAAAAAQAAAAAAAAAAAAAAAAAAAAAAAAAAAAAAAAAAAAAAAAAAAAAAAn9/fwAAAAADzMzMAMDA/wB/f38AAAAAAAAAAAAAAAAAAAAAAAAAAAAhAAAAGAAAABQAAAA4EwAAGycAAAglAABZKQAAEAAAACYAAAAIAAAAAAAAAAAAAAA="/>
               </a:ext>
             </a:extLst>
           </p:cNvSpPr>
@@ -1909,7 +1909,7 @@
             <a:spLocks noGrp="1" noChangeArrowheads="1"/>
             <a:extLst>
               <a:ext uri="smNativeData">
-                <pr:smNativeData xmlns:pr="smNativeData" val="SMDATA_13_5C6yYxMAAAAlAAAAZAAAAA8BAAAAkAAAAEgAAACQAAAASAAAAAAAAAABAAAAAAAAAAEAAABQAAAAAAAAAAAA4D8AAAAAAADgPwAAAAAAAOA/AAAAAAAA4D8AAAAAAADgPwAAAAAAAOA/AAAAAAAA4D8AAAAAAADgPwAAAAAAAOA/AAAAAAAA4D8CAAAAjAAAAAAAAAAAAAAAu+DjDP///wgAAAAAAAAAAAAAAAAAAAAAAAAAAAAAAAAAAAAAZAAAAAEAAABAAAAAAAAAAAAAAAAAAAAAAAAAAAAAAAAAAAAAAAAAAAAAAAAAAAAAAAAAAAAAAAAAAAAAAAAAAAAAAAAAAAAAAAAAAAAAAAAAAAAAAAAAAAAAAAAAAAAAFAAAADwAAAAAAAAAAAAAAAAAAAkUAAAAAQAAABQAAAAUAAAAFAAAAAEAAAAAAAAAZAAAAGQAAAAAAAAAZAAAAGQAAAAVAAAAYAAAAAAAAAAAAAAADwAAACADAAAAAAAAAAAAAAEAAACgMgAAVgcAAKr4//8BAAAAf39/AAEAAABkAAAAAAAAABQAAABAHwAAAAAAACYAAAAAAAAAwOD//wAAAAAmAAAAZAAAABYAAABMAAAAAAAAAAAAAAAEAAAAAAAAAAEAAACAgIAKAAAAACgAAAAoAAAAZAAAAGQAAAAAAAAAzMzMAAAAAABQAAAAUAAAAGQAAABkAAAAAAAAABcAAAAUAAAAAAAAAAAAAAD/fwAA/38AAAAAAAAJAAAABAAAAKVGcaEMAAAAEAAAAAAAAAAAAAAAAAAAAAAAAAAeAAAAaAAAAAAAAAAAAAAAAAAAAAAAAAAAAAAAECcAABAnAAAAAAAAAAAAAAAAAAAAAAAAAAAAAAAAAAAAAAAAAAAAABQAAAAAAAAAwMD/AAAAAABkAAAAMgAAAAAAAABkAAAAAAAAAH9/fwAKAAAAHwAAAFQAAAAAAAAFAAAAAQAAAAAAAAAAAAAAAAAAAAAAAAAAAAAAAAAAAAAAAAAAAAAAAn9/fwAAAAADzMzMAMDA/wB/f38AAAAAAAAAAAAAAAAAAAAAAAAAAAAhAAAAGAAAABQAAABQKAAAGycAAHA1AABZKQAAEAAAACYAAAAIAAAAAAAAAAAAAAA="/>
+                <pr:smNativeData xmlns:pr="smNativeData" val="SMDATA_13_4y+yYxMAAAAlAAAAZAAAAA8BAAAAkAAAAEgAAACQAAAASAAAAAAAAAABAAAAAAAAAAEAAABQAAAAAAAAAAAA4D8AAAAAAADgPwAAAAAAAOA/AAAAAAAA4D8AAAAAAADgPwAAAAAAAOA/AAAAAAAA4D8AAAAAAADgPwAAAAAAAOA/AAAAAAAA4D8CAAAAjAAAAAAAAAAAAAAAu+DjDP///wgAAAAAAAAAAAAAAAAAAAAAAAAAAAAAAAAAAAAAZAAAAAEAAABAAAAAAAAAAAAAAAAAAAAAAAAAAAAAAAAAAAAAAAAAAAAAAAAAAAAAAAAAAAAAAAAAAAAAAAAAAAAAAAAAAAAAAAAAAAAAAAAAAAAAAAAAAAAAAAAAAAAAFAAAADwAAAAAAAAAAAAAAAAAAAkUAAAAAQAAABQAAAAUAAAAFAAAAAEAAAAAAAAAZAAAAGQAAAAAAAAAZAAAAGQAAAAVAAAAYAAAAAAAAAAAAAAADwAAACADAAAAAAAAAAAAAAEAAACgMgAAVgcAAKr4//8BAAAAf39/AAEAAABkAAAAAAAAABQAAABAHwAAAAAAACYAAAAAAAAAwOD//wAAAAAmAAAAZAAAABYAAABMAAAAAAAAAAAAAAAEAAAAAAAAAAEAAACAgIAKAAAAACgAAAAoAAAAZAAAAGQAAAAAAAAAzMzMAAAAAABQAAAAUAAAAGQAAABkAAAAAAAAABcAAAAUAAAAAAAAAAAAAAD/fwAA/38AAAAAAAAJAAAABAAAAKVGcaEMAAAAEAAAAAAAAAAAAAAAAAAAAAAAAAAeAAAAaAAAAAAAAAAAAAAAAAAAAAAAAAAAAAAAECcAABAnAAAAAAAAAAAAAAAAAAAAAAAAAAAAAAAAAAAAAAAAAAAAABQAAAAAAAAAwMD/AAAAAABkAAAAMgAAAAAAAABkAAAAAAAAAH9/fwAKAAAAHwAAAFQAAAAAAAAFAAAAAQAAAAAAAAAAAAAAAAAAAAAAAAAAAAAAAAAAAAAAAAAAAAAAAn9/fwAAAAADzMzMAMDA/wB/f38AAAAAAAAAAAAAAAAAAAAAAAAAAAAhAAAAGAAAABQAAABQKAAAGycAAHA1AABZKQAAEAAAACYAAAAIAAAAAAAAAAAAAAA="/>
               </a:ext>
             </a:extLst>
           </p:cNvSpPr>
@@ -1923,7 +1923,7 @@
           <a:lstStyle/>
           <a:p>
             <a:pPr/>
-            <a:fld id="{06340A59-17EB-61FC-A58C-E1A944C253B4}" type="slidenum">
+            <a:fld id="{06089468-26EB-5D62-A5B0-D037DAFE5385}" type="slidenum">
               <a:t/>
             </a:fld>
           </a:p>
@@ -1961,7 +1961,7 @@
             <a:spLocks noGrp="1" noChangeArrowheads="1"/>
             <a:extLst>
               <a:ext uri="smNativeData">
-                <pr:smNativeData xmlns:pr="smNativeData" val="SMDATA_13_5C6yYxMAAAAlAAAAZAAAAA8BAAAAkAAAAEgAAACQAAAASAAAAAAAAAABAAAAAAAAAAEAAABQAAAAAAAAAAAA4D8AAAAAAADgPwAAAAAAAOA/AAAAAAAA4D8AAAAAAADgPwAAAAAAAOA/AAAAAAAA4D8AAAAAAADgPwAAAAAAAOA/AAAAAAAA4D8CAAAAjAAAAAAAAAAAAAAAu+DjDP///wgAAAAAAAAAAAAAAAAAAAAAAAAAAAAAAAAAAAAAZAAAAAEAAABAAAAAAAAAAAAAAAAAAAAAAAAAAAAAAAAAAAAAAAAAAAAAAAAAAAAAAAAAAAAAAAAAAAAAAAAAAAAAAAAAAAAAAAAAAAAAAAAAAAAAAAAAAAAAAAAAAAAAFAAAADwAAAAAAAAAAAAAAAAAAAkUAAAAAQAAABQAAAAUAAAAFAAAAAEAAAAAAAAAZAAAAGQAAAAAAAAAZAAAAGQAAAAVAAAAYAAAAAAAAAAAAAAADwAAACADAAAAAAAAAAAAAAEAAACgMgAAVgcAAKr4//8BAAAAf39/AAEAAABkAAAAAAAAABQAAABAHwAAAAAAACYAAAAAAAAAwOD//wAAAAAmAAAAZAAAABYAAABMAAAAAAAAAAAAAAAEAAAAAAAAAAEAAACAgIAKAAAAACgAAAAoAAAAZAAAAGQAAAAAAAAAzMzMAAAAAABQAAAAUAAAAGQAAABkAAAAAAAAABcAAAAUAAAAAAAAAAAAAAD/fwAA/38AAAAAAAAJAAAABAAAAAAAAAAMAAAAEAAAAAAAAAAAAAAAAAAAAAAAAAAeAAAAaAAAAAAAAAAAAAAAAAAAAAAAAAAAAAAAECcAABAnAAAAAAAAAAAAAAAAAAAAAAAAAAAAAAAAAAAAAAAAAAAAABQAAAAAAAAAwMD/AAAAAABkAAAAMgAAAAAAAABkAAAAAAAAAH9/fwAKAAAAHwAAAFQAAAAAAAAFAAAAAQAAAAAAAAAAAAAAAAAAAAAAAAAAAAAAAAAAAAAAAAAAAAAAAn9/fwAAAAADzMzMAMDA/wB/f38AAAAAAAAAAAAAAAAAAAAAAAAAAAAhAAAAGAAAABQAAADQAgAAsAEAAHA1AAC4CAAAEAAAACYAAAAIAAAAAAAAAAAAAAA="/>
+                <pr:smNativeData xmlns:pr="smNativeData" val="SMDATA_13_4y+yYxMAAAAlAAAAZAAAAA8BAAAAkAAAAEgAAACQAAAASAAAAAAAAAABAAAAAAAAAAEAAABQAAAAAAAAAAAA4D8AAAAAAADgPwAAAAAAAOA/AAAAAAAA4D8AAAAAAADgPwAAAAAAAOA/AAAAAAAA4D8AAAAAAADgPwAAAAAAAOA/AAAAAAAA4D8CAAAAjAAAAAAAAAAAAAAAu+DjDP///wgAAAAAAAAAAAAAAAAAAAAAAAAAAAAAAAAAAAAAZAAAAAEAAABAAAAAAAAAAAAAAAAAAAAAAAAAAAAAAAAAAAAAAAAAAAAAAAAAAAAAAAAAAAAAAAAAAAAAAAAAAAAAAAAAAAAAAAAAAAAAAAAAAAAAAAAAAAAAAAAAAAAAFAAAADwAAAAAAAAAAAAAAAAAAAkUAAAAAQAAABQAAAAUAAAAFAAAAAEAAAAAAAAAZAAAAGQAAAAAAAAAZAAAAGQAAAAVAAAAYAAAAAAAAAAAAAAADwAAACADAAAAAAAAAAAAAAEAAACgMgAAVgcAAKr4//8BAAAAf39/AAEAAABkAAAAAAAAABQAAABAHwAAAAAAACYAAAAAAAAAwOD//wAAAAAmAAAAZAAAABYAAABMAAAAAAAAAAAAAAAEAAAAAAAAAAEAAACAgIAKAAAAACgAAAAoAAAAZAAAAGQAAAAAAAAAzMzMAAAAAABQAAAAUAAAAGQAAABkAAAAAAAAABcAAAAUAAAAAAAAAAAAAAD/fwAA/38AAAAAAAAJAAAABAAAAAAAAAAMAAAAEAAAAAAAAAAAAAAAAAAAAAAAAAAeAAAAaAAAAAAAAAAAAAAAAAAAAAAAAAAAAAAAECcAABAnAAAAAAAAAAAAAAAAAAAAAAAAAAAAAAAAAAAAAAAAAAAAABQAAAAAAAAAwMD/AAAAAABkAAAAMgAAAAAAAABkAAAAAAAAAH9/fwAKAAAAHwAAAFQAAAAAAAAFAAAAAQAAAAAAAAAAAAAAAAAAAAAAAAAAAAAAAAAAAAAAAAAAAAAAAn9/fwAAAAADzMzMAMDA/wB/f38AAAAAAAAAAAAAAAAAAAAAAAAAAAAhAAAAGAAAABQAAADQAgAAsAEAAHA1AAC4CAAAEAAAACYAAAAIAAAAAAAAAAAAAAA="/>
               </a:ext>
             </a:extLst>
           </p:cNvSpPr>
@@ -1988,7 +1988,7 @@
             <a:spLocks noGrp="1" noChangeArrowheads="1"/>
             <a:extLst>
               <a:ext uri="smNativeData">
-                <pr:smNativeData xmlns:pr="smNativeData" val="SMDATA_13_5C6yYxMAAAAlAAAAZAAAAA8BAAAAkAAAAEgAAACQAAAASAAAAAAAAAABAAAAAAAAAAEAAABQAAAAAAAAAAAA4D8AAAAAAADgPwAAAAAAAOA/AAAAAAAA4D8AAAAAAADgPwAAAAAAAOA/AAAAAAAA4D8AAAAAAADgPwAAAAAAAOA/AAAAAAAA4D8CAAAAjAAAAAAAAAAAAAAAu+DjDP///wgAAAAAAAAAAAAAAAAAAAAAAAAAAAAAAAAAAAAAZAAAAAEAAABAAAAAAAAAAAAAAAAAAAAAAAAAAAAAAAAAAAAAAAAAAAAAAAAAAAAAAAAAAAAAAAAAAAAAAAAAAAAAAAAAAAAAAAAAAAAAAAAAAAAAAAAAAAAAAAAAAAAAFAAAADwAAAAAAAAAAAAAAAAAAAkUAAAAAQAAABQAAAAUAAAAFAAAAAEAAAAAAAAAZAAAAGQAAAAAAAAAZAAAAGQAAAAVAAAAYAAAAAAAAAAAAAAADwAAACADAAAAAAAAAAAAAAEAAACgMgAAVgcAAKr4//8BAAAAf39/AAEAAABkAAAAAAAAABQAAABAHwAAAAAAACYAAAAAAAAAwOD//wAAAAAmAAAAZAAAABYAAABMAAAAAAAAAAAAAAAEAAAAAAAAAAEAAACAgIAKAAAAACgAAAAoAAAAZAAAAGQAAAAAAAAAzMzMAAAAAABQAAAAUAAAAGQAAABkAAAAAAAAABcAAAAUAAAAAAAAAAAAAAD/fwAA/38AAAAAAAAJAAAABAAAAAAAAAAMAAAAEAAAAAAAAAAAAAAAAAAAAAAAAAAeAAAAaAAAAAAAAAAAAAAAAAAAAAAAAAAAAAAAECcAABAnAAAAAAAAAAAAAAAAAAAAAAAAAAAAAAAAAAAAAAAAAAAAABQAAAAAAAAAwMD/AAAAAABkAAAAMgAAAAAAAABkAAAAAAAAAH9/fwAKAAAAHwAAAFQAAAAAAAAFAAAAAQAAAAAAAAAAAAAAAAAAAAAAAAAAAAAAAAAAAAAAAAAAAAAAAn9/fwAAAAADzMzMAMDA/wB/f38AAAAAAAAAAAAAAAAAAAAAAAAAAAAhAAAAGAAAABQAAADQAgAAGycAAPAPAABZKQAAEAAAACYAAAAIAAAAAAAAAAAAAAA="/>
+                <pr:smNativeData xmlns:pr="smNativeData" val="SMDATA_13_4y+yYxMAAAAlAAAAZAAAAA8BAAAAkAAAAEgAAACQAAAASAAAAAAAAAABAAAAAAAAAAEAAABQAAAAAAAAAAAA4D8AAAAAAADgPwAAAAAAAOA/AAAAAAAA4D8AAAAAAADgPwAAAAAAAOA/AAAAAAAA4D8AAAAAAADgPwAAAAAAAOA/AAAAAAAA4D8CAAAAjAAAAAAAAAAAAAAAu+DjDP///wgAAAAAAAAAAAAAAAAAAAAAAAAAAAAAAAAAAAAAZAAAAAEAAABAAAAAAAAAAAAAAAAAAAAAAAAAAAAAAAAAAAAAAAAAAAAAAAAAAAAAAAAAAAAAAAAAAAAAAAAAAAAAAAAAAAAAAAAAAAAAAAAAAAAAAAAAAAAAAAAAAAAAFAAAADwAAAAAAAAAAAAAAAAAAAkUAAAAAQAAABQAAAAUAAAAFAAAAAEAAAAAAAAAZAAAAGQAAAAAAAAAZAAAAGQAAAAVAAAAYAAAAAAAAAAAAAAADwAAACADAAAAAAAAAAAAAAEAAACgMgAAVgcAAKr4//8BAAAAf39/AAEAAABkAAAAAAAAABQAAABAHwAAAAAAACYAAAAAAAAAwOD//wAAAAAmAAAAZAAAABYAAABMAAAAAAAAAAAAAAAEAAAAAAAAAAEAAACAgIAKAAAAACgAAAAoAAAAZAAAAGQAAAAAAAAAzMzMAAAAAABQAAAAUAAAAGQAAABkAAAAAAAAABcAAAAUAAAAAAAAAAAAAAD/fwAA/38AAAAAAAAJAAAABAAAAAAAAAAMAAAAEAAAAAAAAAAAAAAAAAAAAAAAAAAeAAAAaAAAAAAAAAAAAAAAAAAAAAAAAAAAAAAAECcAABAnAAAAAAAAAAAAAAAAAAAAAAAAAAAAAAAAAAAAAAAAAAAAABQAAAAAAAAAwMD/AAAAAABkAAAAMgAAAAAAAABkAAAAAAAAAH9/fwAKAAAAHwAAAFQAAAAAAAAFAAAAAQAAAAAAAAAAAAAAAAAAAAAAAAAAAAAAAAAAAAAAAAAAAAAAAn9/fwAAAAADzMzMAMDA/wB/f38AAAAAAAAAAAAAAAAAAAAAAAAAAAAhAAAAGAAAABQAAADQAgAAGycAAPAPAABZKQAAEAAAACYAAAAIAAAAAAAAAAAAAAA="/>
               </a:ext>
             </a:extLst>
           </p:cNvSpPr>
@@ -2002,7 +2002,7 @@
           <a:lstStyle/>
           <a:p>
             <a:pPr/>
-            <a:fld id="{06347449-07EB-6182-A58C-F1D73AC253A4}" type="datetime1">
+            <a:fld id="{0608D15E-10EB-5D27-A5B0-E6729FFE53B3}" type="datetime1">
               <a:t/>
             </a:fld>
           </a:p>
@@ -2015,7 +2015,7 @@
             <a:spLocks noGrp="1" noChangeArrowheads="1"/>
             <a:extLst>
               <a:ext uri="smNativeData">
-                <pr:smNativeData xmlns:pr="smNativeData" val="SMDATA_13_5C6yYxMAAAAlAAAAZAAAAA8BAAAAkAAAAEgAAACQAAAASAAAAAAAAAABAAAAAAAAAAEAAABQAAAAAAAAAAAA4D8AAAAAAADgPwAAAAAAAOA/AAAAAAAA4D8AAAAAAADgPwAAAAAAAOA/AAAAAAAA4D8AAAAAAADgPwAAAAAAAOA/AAAAAAAA4D8CAAAAjAAAAAAAAAAAAAAAu+DjDP///wgAAAAAAAAAAAAAAAAAAAAAAAAAAAAAAAAAAAAAZAAAAAEAAABAAAAAAAAAAAAAAAAAAAAAAAAAAAAAAAAAAAAAAAAAAAAAAAAAAAAAAAAAAAAAAAAAAAAAAAAAAAAAAAAAAAAAAAAAAAAAAAAAAAAAAAAAAAAAAAAAAAAAFAAAADwAAAAAAAAAAAAAAAAAAAkUAAAAAQAAABQAAAAUAAAAFAAAAAEAAAAAAAAAZAAAAGQAAAAAAAAAZAAAAGQAAAAVAAAAYAAAAAAAAAAAAAAADwAAACADAAAAAAAAAAAAAAEAAACgMgAAVgcAAKr4//8BAAAAf39/AAEAAABkAAAAAAAAABQAAABAHwAAAAAAACYAAAAAAAAAwOD//wAAAAAmAAAAZAAAABYAAABMAAAAAAAAAAAAAAAEAAAAAAAAAAEAAACAgIAKAAAAACgAAAAoAAAAZAAAAGQAAAAAAAAAzMzMAAAAAABQAAAAUAAAAGQAAABkAAAAAAAAABcAAAAUAAAAAAAAAAAAAAD/fwAA/38AAAAAAAAJAAAABAAAAAAAAAAMAAAAEAAAAAAAAAAAAAAAAAAAAAAAAAAeAAAAaAAAAAAAAAAAAAAAAAAAAAAAAAAAAAAAECcAABAnAAAAAAAAAAAAAAAAAAAAAAAAAAAAAAAAAAAAAAAAAAAAABQAAAAAAAAAwMD/AAAAAABkAAAAMgAAAAAAAABkAAAAAAAAAH9/fwAKAAAAHwAAAFQAAAAAAAAFAAAAAQAAAAAAAAAAAAAAAAAAAAAAAAAAAAAAAAAAAAAAAAAAAAAAAn9/fwAAAAADzMzMAMDA/wB/f38AAAAAAAAAAAAAAAAAAAAAAAAAAAAhAAAAGAAAABQAAAA4EwAAGycAAAglAABZKQAAEAAAACYAAAAIAAAAAAAAAAAAAAA="/>
+                <pr:smNativeData xmlns:pr="smNativeData" val="SMDATA_13_4y+yYxMAAAAlAAAAZAAAAA8BAAAAkAAAAEgAAACQAAAASAAAAAAAAAABAAAAAAAAAAEAAABQAAAAAAAAAAAA4D8AAAAAAADgPwAAAAAAAOA/AAAAAAAA4D8AAAAAAADgPwAAAAAAAOA/AAAAAAAA4D8AAAAAAADgPwAAAAAAAOA/AAAAAAAA4D8CAAAAjAAAAAAAAAAAAAAAu+DjDP///wgAAAAAAAAAAAAAAAAAAAAAAAAAAAAAAAAAAAAAZAAAAAEAAABAAAAAAAAAAAAAAAAAAAAAAAAAAAAAAAAAAAAAAAAAAAAAAAAAAAAAAAAAAAAAAAAAAAAAAAAAAAAAAAAAAAAAAAAAAAAAAAAAAAAAAAAAAAAAAAAAAAAAFAAAADwAAAAAAAAAAAAAAAAAAAkUAAAAAQAAABQAAAAUAAAAFAAAAAEAAAAAAAAAZAAAAGQAAAAAAAAAZAAAAGQAAAAVAAAAYAAAAAAAAAAAAAAADwAAACADAAAAAAAAAAAAAAEAAACgMgAAVgcAAKr4//8BAAAAf39/AAEAAABkAAAAAAAAABQAAABAHwAAAAAAACYAAAAAAAAAwOD//wAAAAAmAAAAZAAAABYAAABMAAAAAAAAAAAAAAAEAAAAAAAAAAEAAACAgIAKAAAAACgAAAAoAAAAZAAAAGQAAAAAAAAAzMzMAAAAAABQAAAAUAAAAGQAAABkAAAAAAAAABcAAAAUAAAAAAAAAAAAAAD/fwAA/38AAAAAAAAJAAAABAAAAAAAAAAMAAAAEAAAAAAAAAAAAAAAAAAAAAAAAAAeAAAAaAAAAAAAAAAAAAAAAAAAAAAAAAAAAAAAECcAABAnAAAAAAAAAAAAAAAAAAAAAAAAAAAAAAAAAAAAAAAAAAAAABQAAAAAAAAAwMD/AAAAAABkAAAAMgAAAAAAAABkAAAAAAAAAH9/fwAKAAAAHwAAAFQAAAAAAAAFAAAAAQAAAAAAAAAAAAAAAAAAAAAAAAAAAAAAAAAAAAAAAAAAAAAAAn9/fwAAAAADzMzMAMDA/wB/f38AAAAAAAAAAAAAAAAAAAAAAAAAAAAhAAAAGAAAABQAAAA4EwAAGycAAAglAABZKQAAEAAAACYAAAAIAAAAAAAAAAAAAAA="/>
               </a:ext>
             </a:extLst>
           </p:cNvSpPr>
@@ -2039,7 +2039,7 @@
             <a:spLocks noGrp="1" noChangeArrowheads="1"/>
             <a:extLst>
               <a:ext uri="smNativeData">
-                <pr:smNativeData xmlns:pr="smNativeData" val="SMDATA_13_5C6yYxMAAAAlAAAAZAAAAA8BAAAAkAAAAEgAAACQAAAASAAAAAAAAAABAAAAAAAAAAEAAABQAAAAAAAAAAAA4D8AAAAAAADgPwAAAAAAAOA/AAAAAAAA4D8AAAAAAADgPwAAAAAAAOA/AAAAAAAA4D8AAAAAAADgPwAAAAAAAOA/AAAAAAAA4D8CAAAAjAAAAAAAAAAAAAAAu+DjDP///wgAAAAAAAAAAAAAAAAAAAAAAAAAAAAAAAAAAAAAZAAAAAEAAABAAAAAAAAAAAAAAAAAAAAAAAAAAAAAAAAAAAAAAAAAAAAAAAAAAAAAAAAAAAAAAAAAAAAAAAAAAAAAAAAAAAAAAAAAAAAAAAAAAAAAAAAAAAAAAAAAAAAAFAAAADwAAAAAAAAAAAAAAAAAAAkUAAAAAQAAABQAAAAUAAAAFAAAAAEAAAAAAAAAZAAAAGQAAAAAAAAAZAAAAGQAAAAVAAAAYAAAAAAAAAAAAAAADwAAACADAAAAAAAAAAAAAAEAAACgMgAAVgcAAKr4//8BAAAAf39/AAEAAABkAAAAAAAAABQAAABAHwAAAAAAACYAAAAAAAAAwOD//wAAAAAmAAAAZAAAABYAAABMAAAAAAAAAAAAAAAEAAAAAAAAAAEAAACAgIAKAAAAACgAAAAoAAAAZAAAAGQAAAAAAAAAzMzMAAAAAABQAAAAUAAAAGQAAABkAAAAAAAAABcAAAAUAAAAAAAAAAAAAAD/fwAA/38AAAAAAAAJAAAABAAAAAAAAAAMAAAAEAAAAAAAAAAAAAAAAAAAAAAAAAAeAAAAaAAAAAAAAAAAAAAAAAAAAAAAAAAAAAAAECcAABAnAAAAAAAAAAAAAAAAAAAAAAAAAAAAAAAAAAAAAAAAAAAAABQAAAAAAAAAwMD/AAAAAABkAAAAMgAAAAAAAABkAAAAAAAAAH9/fwAKAAAAHwAAAFQAAAAAAAAFAAAAAQAAAAAAAAAAAAAAAAAAAAAAAAAAAAAAAAAAAAAAAAAAAAAAAn9/fwAAAAADzMzMAMDA/wB/f38AAAAAAAAAAAAAAAAAAAAAAAAAAAAhAAAAGAAAABQAAABQKAAAGycAAHA1AABZKQAAEAAAACYAAAAIAAAAAAAAAAAAAAA="/>
+                <pr:smNativeData xmlns:pr="smNativeData" val="SMDATA_13_4y+yYxMAAAAlAAAAZAAAAA8BAAAAkAAAAEgAAACQAAAASAAAAAAAAAABAAAAAAAAAAEAAABQAAAAAAAAAAAA4D8AAAAAAADgPwAAAAAAAOA/AAAAAAAA4D8AAAAAAADgPwAAAAAAAOA/AAAAAAAA4D8AAAAAAADgPwAAAAAAAOA/AAAAAAAA4D8CAAAAjAAAAAAAAAAAAAAAu+DjDP///wgAAAAAAAAAAAAAAAAAAAAAAAAAAAAAAAAAAAAAZAAAAAEAAABAAAAAAAAAAAAAAAAAAAAAAAAAAAAAAAAAAAAAAAAAAAAAAAAAAAAAAAAAAAAAAAAAAAAAAAAAAAAAAAAAAAAAAAAAAAAAAAAAAAAAAAAAAAAAAAAAAAAAFAAAADwAAAAAAAAAAAAAAAAAAAkUAAAAAQAAABQAAAAUAAAAFAAAAAEAAAAAAAAAZAAAAGQAAAAAAAAAZAAAAGQAAAAVAAAAYAAAAAAAAAAAAAAADwAAACADAAAAAAAAAAAAAAEAAACgMgAAVgcAAKr4//8BAAAAf39/AAEAAABkAAAAAAAAABQAAABAHwAAAAAAACYAAAAAAAAAwOD//wAAAAAmAAAAZAAAABYAAABMAAAAAAAAAAAAAAAEAAAAAAAAAAEAAACAgIAKAAAAACgAAAAoAAAAZAAAAGQAAAAAAAAAzMzMAAAAAABQAAAAUAAAAGQAAABkAAAAAAAAABcAAAAUAAAAAAAAAAAAAAD/fwAA/38AAAAAAAAJAAAABAAAAAAAAAAMAAAAEAAAAAAAAAAAAAAAAAAAAAAAAAAeAAAAaAAAAAAAAAAAAAAAAAAAAAAAAAAAAAAAECcAABAnAAAAAAAAAAAAAAAAAAAAAAAAAAAAAAAAAAAAAAAAAAAAABQAAAAAAAAAwMD/AAAAAABkAAAAMgAAAAAAAABkAAAAAAAAAH9/fwAKAAAAHwAAAFQAAAAAAAAFAAAAAQAAAAAAAAAAAAAAAAAAAAAAAAAAAAAAAAAAAAAAAAAAAAAAAn9/fwAAAAADzMzMAMDA/wB/f38AAAAAAAAAAAAAAAAAAAAAAAAAAAAhAAAAGAAAABQAAABQKAAAGycAAHA1AABZKQAAEAAAACYAAAAIAAAAAAAAAAAAAAA="/>
               </a:ext>
             </a:extLst>
           </p:cNvSpPr>
@@ -2053,7 +2053,7 @@
           <a:lstStyle/>
           <a:p>
             <a:pPr/>
-            <a:fld id="{06343BB2-FCEB-61CD-A58C-0A9875C2535F}" type="slidenum">
+            <a:fld id="{060897B0-FEEB-5D61-A5B0-0834D9FE535D}" type="slidenum">
               <a:t/>
             </a:fld>
           </a:p>
@@ -2091,7 +2091,7 @@
             <a:spLocks noGrp="1" noChangeArrowheads="1"/>
             <a:extLst>
               <a:ext uri="smNativeData">
-                <pr:smNativeData xmlns:pr="smNativeData" val="SMDATA_13_5C6yYxMAAAAlAAAAZAAAAA8BAAAAkAAAAEgAAACQAAAASAAAAAAAAAABAAAAAAAAAAEAAABQAAAAAAAAAAAA4D8AAAAAAADgPwAAAAAAAOA/AAAAAAAA4D8AAAAAAADgPwAAAAAAAOA/AAAAAAAA4D8AAAAAAADgPwAAAAAAAOA/AAAAAAAA4D8CAAAAjAAAAAAAAAAAAAAAu+DjDP///wgAAAAAAAAAAAAAAAAAAAAAAAAAAAAAAAAAAAAAZAAAAAEAAABAAAAAAAAAAAAAAAAAAAAAAAAAAAAAAAAAAAAAAAAAAAAAAAAAAAAAAAAAAAAAAAAAAAAAAAAAAAAAAAAAAAAAAAAAAAAAAAAAAAAAAAAAAAAAAAAAAAAAFAAAADwAAAAAAAAAAAAAAAAAAAkUAAAAAQAAABQAAAAUAAAAFAAAAAEAAAAAAAAAZAAAAGQAAAAAAAAAZAAAAGQAAAAVAAAAYAAAAAAAAAAAAAAADwAAACADAAAAAAAAAAAAAAEAAACgMgAAVgcAAKr4//8BAAAAf39/AAEAAABkAAAAAAAAABQAAABAHwAAAAAAACYAAAAAAAAAwOD//wAAAAAmAAAAZAAAABYAAABMAAAAAAAAAAAAAAAEAAAAAAAAAAEAAACAgIAKAAAAACgAAAAoAAAAZAAAAGQAAAAAAAAAzMzMAAAAAABQAAAAUAAAAGQAAABkAAAAAAAAABcAAAAUAAAAAAAAAAAAAAD/fwAA/38AAAAAAAAJAAAABAAAAAAAAAAMAAAAEAAAAAAAAAAAAAAAAAAAAAAAAAAeAAAAaAAAAAAAAAAAAAAAAAAAAAAAAAAAAAAAECcAABAnAAAAAAAAAAAAAAAAAAAAAAAAAAAAAAAAAAAAAAAAAAAAABQAAAAAAAAAwMD/AAAAAABkAAAAMgAAAAAAAABkAAAAAAAAAH9/fwAKAAAAHwAAAFQAAAAAAAAFAAAAAQAAAAAAAAAAAAAAAAAAAAAAAAAAAAAAAAAAAAAAAAAAAAAAAn9/fwAAAAADzMzMAMDA/wB/f38AAAAAAAAAAAAAAAAAAAAAAAAAAAAhAAAAGAAAABQAAADQAgAAGycAAPAPAABZKQAAEAAAACYAAAAIAAAAAAAAAAAAAAA="/>
+                <pr:smNativeData xmlns:pr="smNativeData" val="SMDATA_13_4y+yYxMAAAAlAAAAZAAAAA8BAAAAkAAAAEgAAACQAAAASAAAAAAAAAABAAAAAAAAAAEAAABQAAAAAAAAAAAA4D8AAAAAAADgPwAAAAAAAOA/AAAAAAAA4D8AAAAAAADgPwAAAAAAAOA/AAAAAAAA4D8AAAAAAADgPwAAAAAAAOA/AAAAAAAA4D8CAAAAjAAAAAAAAAAAAAAAu+DjDP///wgAAAAAAAAAAAAAAAAAAAAAAAAAAAAAAAAAAAAAZAAAAAEAAABAAAAAAAAAAAAAAAAAAAAAAAAAAAAAAAAAAAAAAAAAAAAAAAAAAAAAAAAAAAAAAAAAAAAAAAAAAAAAAAAAAAAAAAAAAAAAAAAAAAAAAAAAAAAAAAAAAAAAFAAAADwAAAAAAAAAAAAAAAAAAAkUAAAAAQAAABQAAAAUAAAAFAAAAAEAAAAAAAAAZAAAAGQAAAAAAAAAZAAAAGQAAAAVAAAAYAAAAAAAAAAAAAAADwAAACADAAAAAAAAAAAAAAEAAACgMgAAVgcAAKr4//8BAAAAf39/AAEAAABkAAAAAAAAABQAAABAHwAAAAAAACYAAAAAAAAAwOD//wAAAAAmAAAAZAAAABYAAABMAAAAAAAAAAAAAAAEAAAAAAAAAAEAAACAgIAKAAAAACgAAAAoAAAAZAAAAGQAAAAAAAAAzMzMAAAAAABQAAAAUAAAAGQAAABkAAAAAAAAABcAAAAUAAAAAAAAAAAAAAD/fwAA/38AAAAAAAAJAAAABAAAAAAAAAAMAAAAEAAAAAAAAAAAAAAAAAAAAAAAAAAeAAAAaAAAAAAAAAAAAAAAAAAAAAAAAAAAAAAAECcAABAnAAAAAAAAAAAAAAAAAAAAAAAAAAAAAAAAAAAAAAAAAAAAABQAAAAAAAAAwMD/AAAAAABkAAAAMgAAAAAAAABkAAAAAAAAAH9/fwAKAAAAHwAAAFQAAAAAAAAFAAAAAQAAAAAAAAAAAAAAAAAAAAAAAAAAAAAAAAAAAAAAAAAAAAAAAn9/fwAAAAADzMzMAMDA/wB/f38AAAAAAAAAAAAAAAAAAAAAAAAAAAAhAAAAGAAAABQAAADQAgAAGycAAPAPAABZKQAAEAAAACYAAAAIAAAAAAAAAAAAAAA="/>
               </a:ext>
             </a:extLst>
           </p:cNvSpPr>
@@ -2105,7 +2105,7 @@
           <a:lstStyle/>
           <a:p>
             <a:pPr/>
-            <a:fld id="{06341B27-69EB-61ED-A58C-9FB855C253CA}" type="datetime1">
+            <a:fld id="{0608A31C-52EB-5D55-A5B0-A400EDFE53F1}" type="datetime1">
               <a:t/>
             </a:fld>
           </a:p>
@@ -2118,7 +2118,7 @@
             <a:spLocks noGrp="1" noChangeArrowheads="1"/>
             <a:extLst>
               <a:ext uri="smNativeData">
-                <pr:smNativeData xmlns:pr="smNativeData" val="SMDATA_13_5C6yYxMAAAAlAAAAZAAAAA8BAAAAkAAAAEgAAACQAAAASAAAAAAAAAABAAAAAAAAAAEAAABQAAAAAAAAAAAA4D8AAAAAAADgPwAAAAAAAOA/AAAAAAAA4D8AAAAAAADgPwAAAAAAAOA/AAAAAAAA4D8AAAAAAADgPwAAAAAAAOA/AAAAAAAA4D8CAAAAjAAAAAAAAAAAAAAAu+DjDP///wgAAAAAAAAAAAAAAAAAAAAAAAAAAAAAAAAAAAAAZAAAAAEAAABAAAAAAAAAAAAAAAAAAAAAAAAAAAAAAAAAAAAAAAAAAAAAAAAAAAAAAAAAAAAAAAAAAAAAAAAAAAAAAAAAAAAAAAAAAAAAAAAAAAAAAAAAAAAAAAAAAAAAFAAAADwAAAAAAAAAAAAAAAAAAAkUAAAAAQAAABQAAAAUAAAAFAAAAAEAAAAAAAAAZAAAAGQAAAAAAAAAZAAAAGQAAAAVAAAAYAAAAAAAAAAAAAAADwAAACADAAAAAAAAAAAAAAEAAACgMgAAVgcAAKr4//8BAAAAf39/AAEAAABkAAAAAAAAABQAAABAHwAAAAAAACYAAAAAAAAAwOD//wAAAAAmAAAAZAAAABYAAABMAAAAAAAAAAAAAAAEAAAAAAAAAAEAAACAgIAKAAAAACgAAAAoAAAAZAAAAGQAAAAAAAAAzMzMAAAAAABQAAAAUAAAAGQAAABkAAAAAAAAABcAAAAUAAAAAAAAAAAAAAD/fwAA/38AAAAAAAAJAAAABAAAAAAAAAAMAAAAEAAAAAAAAAAAAAAAAAAAAAAAAAAeAAAAaAAAAAAAAAAAAAAAAAAAAAAAAAAAAAAAECcAABAnAAAAAAAAAAAAAAAAAAAAAAAAAAAAAAAAAAAAAAAAAAAAABQAAAAAAAAAwMD/AAAAAABkAAAAMgAAAAAAAABkAAAAAAAAAH9/fwAKAAAAHwAAAFQAAAAAAAAFAAAAAQAAAAAAAAAAAAAAAAAAAAAAAAAAAAAAAAAAAAAAAAAAAAAAAn9/fwAAAAADzMzMAMDA/wB/f38AAAAAAAAAAAAAAAAAAAAAAAAAAAAhAAAAGAAAABQAAAA4EwAAGycAAAglAABZKQAAEAAAACYAAAAIAAAAAAAAAAAAAAA="/>
+                <pr:smNativeData xmlns:pr="smNativeData" val="SMDATA_13_4y+yYxMAAAAlAAAAZAAAAA8BAAAAkAAAAEgAAACQAAAASAAAAAAAAAABAAAAAAAAAAEAAABQAAAAAAAAAAAA4D8AAAAAAADgPwAAAAAAAOA/AAAAAAAA4D8AAAAAAADgPwAAAAAAAOA/AAAAAAAA4D8AAAAAAADgPwAAAAAAAOA/AAAAAAAA4D8CAAAAjAAAAAAAAAAAAAAAu+DjDP///wgAAAAAAAAAAAAAAAAAAAAAAAAAAAAAAAAAAAAAZAAAAAEAAABAAAAAAAAAAAAAAAAAAAAAAAAAAAAAAAAAAAAAAAAAAAAAAAAAAAAAAAAAAAAAAAAAAAAAAAAAAAAAAAAAAAAAAAAAAAAAAAAAAAAAAAAAAAAAAAAAAAAAFAAAADwAAAAAAAAAAAAAAAAAAAkUAAAAAQAAABQAAAAUAAAAFAAAAAEAAAAAAAAAZAAAAGQAAAAAAAAAZAAAAGQAAAAVAAAAYAAAAAAAAAAAAAAADwAAACADAAAAAAAAAAAAAAEAAACgMgAAVgcAAKr4//8BAAAAf39/AAEAAABkAAAAAAAAABQAAABAHwAAAAAAACYAAAAAAAAAwOD//wAAAAAmAAAAZAAAABYAAABMAAAAAAAAAAAAAAAEAAAAAAAAAAEAAACAgIAKAAAAACgAAAAoAAAAZAAAAGQAAAAAAAAAzMzMAAAAAABQAAAAUAAAAGQAAABkAAAAAAAAABcAAAAUAAAAAAAAAAAAAAD/fwAA/38AAAAAAAAJAAAABAAAAAAAAAAMAAAAEAAAAAAAAAAAAAAAAAAAAAAAAAAeAAAAaAAAAAAAAAAAAAAAAAAAAAAAAAAAAAAAECcAABAnAAAAAAAAAAAAAAAAAAAAAAAAAAAAAAAAAAAAAAAAAAAAABQAAAAAAAAAwMD/AAAAAABkAAAAMgAAAAAAAABkAAAAAAAAAH9/fwAKAAAAHwAAAFQAAAAAAAAFAAAAAQAAAAAAAAAAAAAAAAAAAAAAAAAAAAAAAAAAAAAAAAAAAAAAAn9/fwAAAAADzMzMAMDA/wB/f38AAAAAAAAAAAAAAAAAAAAAAAAAAAAhAAAAGAAAABQAAAA4EwAAGycAAAglAABZKQAAEAAAACYAAAAIAAAAAAAAAAAAAAA="/>
               </a:ext>
             </a:extLst>
           </p:cNvSpPr>
@@ -2142,7 +2142,7 @@
             <a:spLocks noGrp="1" noChangeArrowheads="1"/>
             <a:extLst>
               <a:ext uri="smNativeData">
-                <pr:smNativeData xmlns:pr="smNativeData" val="SMDATA_13_5C6yYxMAAAAlAAAAZAAAAA8BAAAAkAAAAEgAAACQAAAASAAAAAAAAAABAAAAAAAAAAEAAABQAAAAAAAAAAAA4D8AAAAAAADgPwAAAAAAAOA/AAAAAAAA4D8AAAAAAADgPwAAAAAAAOA/AAAAAAAA4D8AAAAAAADgPwAAAAAAAOA/AAAAAAAA4D8CAAAAjAAAAAAAAAAAAAAAu+DjDP///wgAAAAAAAAAAAAAAAAAAAAAAAAAAAAAAAAAAAAAZAAAAAEAAABAAAAAAAAAAAAAAAAAAAAAAAAAAAAAAAAAAAAAAAAAAAAAAAAAAAAAAAAAAAAAAAAAAAAAAAAAAAAAAAAAAAAAAAAAAAAAAAAAAAAAAAAAAAAAAAAAAAAAFAAAADwAAAAAAAAAAAAAAAAAAAkUAAAAAQAAABQAAAAUAAAAFAAAAAEAAAAAAAAAZAAAAGQAAAAAAAAAZAAAAGQAAAAVAAAAYAAAAAAAAAAAAAAADwAAACADAAAAAAAAAAAAAAEAAACgMgAAVgcAAKr4//8BAAAAf39/AAEAAABkAAAAAAAAABQAAABAHwAAAAAAACYAAAAAAAAAwOD//wAAAAAmAAAAZAAAABYAAABMAAAAAAAAAAAAAAAEAAAAAAAAAAEAAACAgIAKAAAAACgAAAAoAAAAZAAAAGQAAAAAAAAAzMzMAAAAAABQAAAAUAAAAGQAAABkAAAAAAAAABcAAAAUAAAAAAAAAAAAAAD/fwAA/38AAAAAAAAJAAAABAAAADIAAAAMAAAAEAAAAAAAAAAAAAAAAAAAAAAAAAAeAAAAaAAAAAAAAAAAAAAAAAAAAAAAAAAAAAAAECcAABAnAAAAAAAAAAAAAAAAAAAAAAAAAAAAAAAAAAAAAAAAAAAAABQAAAAAAAAAwMD/AAAAAABkAAAAMgAAAAAAAABkAAAAAAAAAH9/fwAKAAAAHwAAAFQAAAAAAAAFAAAAAQAAAAAAAAAAAAAAAAAAAAAAAAAAAAAAAAAAAAAAAAAAAAAAAn9/fwAAAAADzMzMAMDA/wB/f38AAAAAAAAAAAAAAAAAAAAAAAAAAAAhAAAAGAAAABQAAABQKAAAGycAAHA1AABZKQAAEAAAACYAAAAIAAAAAAAAAAAAAAA="/>
+                <pr:smNativeData xmlns:pr="smNativeData" val="SMDATA_13_4y+yYxMAAAAlAAAAZAAAAA8BAAAAkAAAAEgAAACQAAAASAAAAAAAAAABAAAAAAAAAAEAAABQAAAAAAAAAAAA4D8AAAAAAADgPwAAAAAAAOA/AAAAAAAA4D8AAAAAAADgPwAAAAAAAOA/AAAAAAAA4D8AAAAAAADgPwAAAAAAAOA/AAAAAAAA4D8CAAAAjAAAAAAAAAAAAAAAu+DjDP///wgAAAAAAAAAAAAAAAAAAAAAAAAAAAAAAAAAAAAAZAAAAAEAAABAAAAAAAAAAAAAAAAAAAAAAAAAAAAAAAAAAAAAAAAAAAAAAAAAAAAAAAAAAAAAAAAAAAAAAAAAAAAAAAAAAAAAAAAAAAAAAAAAAAAAAAAAAAAAAAAAAAAAFAAAADwAAAAAAAAAAAAAAAAAAAkUAAAAAQAAABQAAAAUAAAAFAAAAAEAAAAAAAAAZAAAAGQAAAAAAAAAZAAAAGQAAAAVAAAAYAAAAAAAAAAAAAAADwAAACADAAAAAAAAAAAAAAEAAACgMgAAVgcAAKr4//8BAAAAf39/AAEAAABkAAAAAAAAABQAAABAHwAAAAAAACYAAAAAAAAAwOD//wAAAAAmAAAAZAAAABYAAABMAAAAAAAAAAAAAAAEAAAAAAAAAAEAAACAgIAKAAAAACgAAAAoAAAAZAAAAGQAAAAAAAAAzMzMAAAAAABQAAAAUAAAAGQAAABkAAAAAAAAABcAAAAUAAAAAAAAAAAAAAD/fwAA/38AAAAAAAAJAAAABAAAADIAAAAMAAAAEAAAAAAAAAAAAAAAAAAAAAAAAAAeAAAAaAAAAAAAAAAAAAAAAAAAAAAAAAAAAAAAECcAABAnAAAAAAAAAAAAAAAAAAAAAAAAAAAAAAAAAAAAAAAAAAAAABQAAAAAAAAAwMD/AAAAAABkAAAAMgAAAAAAAABkAAAAAAAAAH9/fwAKAAAAHwAAAFQAAAAAAAAFAAAAAQAAAAAAAAAAAAAAAAAAAAAAAAAAAAAAAAAAAAAAAAAAAAAAAn9/fwAAAAADzMzMAMDA/wB/f38AAAAAAAAAAAAAAAAAAAAAAAAAAAAhAAAAGAAAABQAAABQKAAAGycAAHA1AABZKQAAEAAAACYAAAAIAAAAAAAAAAAAAAA="/>
               </a:ext>
             </a:extLst>
           </p:cNvSpPr>
@@ -2156,7 +2156,7 @@
           <a:lstStyle/>
           <a:p>
             <a:pPr/>
-            <a:fld id="{06340FB5-FBEB-61F9-A58C-0DAC41C25358}" type="slidenum">
+            <a:fld id="{0608D601-4FEB-5D20-A5B0-B97598FE53EC}" type="slidenum">
               <a:t/>
             </a:fld>
           </a:p>
@@ -2194,7 +2194,7 @@
             <a:spLocks noGrp="1" noChangeArrowheads="1"/>
             <a:extLst>
               <a:ext uri="smNativeData">
-                <pr:smNativeData xmlns:pr="smNativeData" val="SMDATA_13_5C6yYxMAAAAlAAAAZAAAAA8BAAAAkAAAAEgAAACQAAAASAAAAAAAAAACAAAAAAAAAAEAAABQAAAAAAAAAAAA4D8AAAAAAADgPwAAAAAAAOA/AAAAAAAA4D8AAAAAAADgPwAAAAAAAOA/AAAAAAAA4D8AAAAAAADgPwAAAAAAAOA/AAAAAAAA4D8CAAAAjAAAAAAAAAAAAAAAu+DjDP///wgAAAAAAAAAAAAAAAAAAAAAAAAAAAAAAAAAAAAAZAAAAAEAAABAAAAAAAAAAAAAAAAAAAAAAAAAAAAAAAAAAAAAAAAAAAAAAAAAAAAAAAAAAAAAAAAAAAAAAAAAAAAAAAAAAAAAAAAAAAAAAAAAAAAAAAAAAAAAAAAAAAAAFAAAADwAAAAAAAAAAAAAAAAAAAkUAAAAAQAAABQAAAAUAAAAFAAAAAEAAAAAAAAAZAAAAGQAAAAAAAAAZAAAAGQAAAAVAAAAYAAAAAAAAAAAAAAADwAAACADAAAAAAAAAAAAAAEAAACgMgAAVgcAAKr4//8BAAAAf39/AAEAAABkAAAAAAAAABQAAABAHwAAAAAAACYAAAAAAAAAwOD//wAAAAAmAAAAZAAAABYAAABMAAAAAAAAAAAAAAAEAAAAAAAAAAEAAACAgIAKAAAAACgAAAAoAAAAZAAAAGQAAAAAAAAAzMzMAAAAAABQAAAAUAAAAGQAAABkAAAAAAAAABcAAAAUAAAAAAAAAAAAAAD/fwAA/38AAAAAAAAJAAAABAAAAAAAAAAMAAAAEAAAAAAAAAAAAAAAAAAAAAAAAAAeAAAAaAAAAAAAAAAAAAAAAAAAAAAAAAAAAAAAECcAABAnAAAAAAAAAAAAAAAAAAAAAAAAAAAAAAAAAAAAAAAAAAAAABQAAAAAAAAAwMD/AAAAAABkAAAAMgAAAAAAAABkAAAAAAAAAH9/fwAKAAAAHwAAAFQAAAAAAAAFAAAAAQAAAAAAAAAAAAAAAAAAAAAAAAAAAAAAAAAAAAAAAAAAAAAAAn9/fwAAAAADzMzMAMDA/wB/f38AAAAAAAAAAAAAAAAAAAAAAAAAAAAhAAAAGAAAABQAAADQAgAArgEAAFIVAADUCAAAEAAAACYAAAAIAAAAgYAAAAAAAAA="/>
+                <pr:smNativeData xmlns:pr="smNativeData" val="SMDATA_13_4y+yYxMAAAAlAAAAZAAAAA8BAAAAkAAAAEgAAACQAAAASAAAAAAAAAACAAAAAAAAAAEAAABQAAAAAAAAAAAA4D8AAAAAAADgPwAAAAAAAOA/AAAAAAAA4D8AAAAAAADgPwAAAAAAAOA/AAAAAAAA4D8AAAAAAADgPwAAAAAAAOA/AAAAAAAA4D8CAAAAjAAAAAAAAAAAAAAAu+DjDP///wgAAAAAAAAAAAAAAAAAAAAAAAAAAAAAAAAAAAAAZAAAAAEAAABAAAAAAAAAAAAAAAAAAAAAAAAAAAAAAAAAAAAAAAAAAAAAAAAAAAAAAAAAAAAAAAAAAAAAAAAAAAAAAAAAAAAAAAAAAAAAAAAAAAAAAAAAAAAAAAAAAAAAFAAAADwAAAAAAAAAAAAAAAAAAAkUAAAAAQAAABQAAAAUAAAAFAAAAAEAAAAAAAAAZAAAAGQAAAAAAAAAZAAAAGQAAAAVAAAAYAAAAAAAAAAAAAAADwAAACADAAAAAAAAAAAAAAEAAACgMgAAVgcAAKr4//8BAAAAf39/AAEAAABkAAAAAAAAABQAAABAHwAAAAAAACYAAAAAAAAAwOD//wAAAAAmAAAAZAAAABYAAABMAAAAAAAAAAAAAAAEAAAAAAAAAAEAAACAgIAKAAAAACgAAAAoAAAAZAAAAGQAAAAAAAAAzMzMAAAAAABQAAAAUAAAAGQAAABkAAAAAAAAABcAAAAUAAAAAAAAAAAAAAD/fwAA/38AAAAAAAAJAAAABAAAAAAAAAAMAAAAEAAAAAAAAAAAAAAAAAAAAAAAAAAeAAAAaAAAAAAAAAAAAAAAAAAAAAAAAAAAAAAAECcAABAnAAAAAAAAAAAAAAAAAAAAAAAAAAAAAAAAAAAAAAAAAAAAABQAAAAAAAAAwMD/AAAAAABkAAAAMgAAAAAAAABkAAAAAAAAAH9/fwAKAAAAHwAAAFQAAAAAAAAFAAAAAQAAAAAAAAAAAAAAAAAAAAAAAAAAAAAAAAAAAAAAAAAAAAAAAn9/fwAAAAADzMzMAMDA/wB/f38AAAAAAAAAAAAAAAAAAAAAAAAAAAAhAAAAGAAAABQAAADQAgAArgEAAFIVAADUCAAAEAAAACYAAAAIAAAAgYAAAAAAAAA="/>
               </a:ext>
             </a:extLst>
           </p:cNvSpPr>
@@ -2234,7 +2234,7 @@
             <a:spLocks noGrp="1" noChangeArrowheads="1"/>
             <a:extLst>
               <a:ext uri="smNativeData">
-                <pr:smNativeData xmlns:pr="smNativeData" val="SMDATA_13_5C6yYxMAAAAlAAAAZAAAAA8BAAAAkAAAAEgAAACQAAAASAAAAAAAAAAAAAAAAAAAAAEAAABQAAAAAAAAAAAA4D8AAAAAAADgPwAAAAAAAOA/AAAAAAAA4D8AAAAAAADgPwAAAAAAAOA/AAAAAAAA4D8AAAAAAADgPwAAAAAAAOA/AAAAAAAA4D8CAAAAjAAAAAAAAAAAAAAAu+DjDP///wgAAAAAAAAAAAAAAAAAAAAAAAAAAAAAAAAAAAAAZAAAAAEAAABAAAAAAAAAAAAAAAAAAAAAAAAAAAAAAAAAAAAAAAAAAAAAAAAAAAAAAAAAAAAAAAAAAAAAAAAAAAAAAAAAAAAAAAAAAAAAAAAAAAAAAAAAAAAAAAAAAAAAFAAAADwAAAAAAAAAAAAAAAAAAAkUAAAAAQAAABQAAAAUAAAAFAAAAAEAAAAAAAAAZAAAAGQAAAAAAAAAZAAAAGQAAAAVAAAAYAAAAAAAAAAAAAAADwAAACADAAAAAAAAAAAAAAEAAACgMgAAVgcAAKr4//8BAAAAf39/AAEAAABkAAAAAAAAABQAAABAHwAAAAAAACYAAAAAAAAAwOD//wAAAAAmAAAAZAAAABYAAABMAAAAAAAAAAAAAAAEAAAAAAAAAAEAAACAgIAKAAAAACgAAAAoAAAAZAAAAGQAAAAAAAAAzMzMAAAAAABQAAAAUAAAAGQAAABkAAAAAAAAABcAAAAUAAAAAAAAAAAAAAD/fwAA/38AAAAAAAAJAAAABAAAADIAATMMAAAAEAAAAAAAAAAAAAAAAAAAAAAAAAAeAAAAaAAAAAAAAAAAAAAAAAAAAAAAAAAAAAAAECcAABAnAAAAAAAAAAAAAAAAAAAAAAAAAAAAAAAAAAAAAAAAAAAAABQAAAAAAAAAwMD/AAAAAABkAAAAMgAAAAAAAABkAAAAAAAAAH9/fwAKAAAAHwAAAFQAAAAAAAAFAAAAAQAAAAAAAAAAAAAAAAAAAAAAAAAAAAAAAAAAAAAAAAAAAAAAAn9/fwAAAAADzMzMAMDA/wB/f38AAAAAAAAAAAAAAAAAAAAAAAAAAAAhAAAAGAAAABQAAAD+FQAArgEAAHA1AACwJQAAEAAAACYAAAAIAAAAAYAAAAAAAAA="/>
+                <pr:smNativeData xmlns:pr="smNativeData" val="SMDATA_13_4y+yYxMAAAAlAAAAZAAAAA8BAAAAkAAAAEgAAACQAAAASAAAAAAAAAAAAAAAAAAAAAEAAABQAAAAAAAAAAAA4D8AAAAAAADgPwAAAAAAAOA/AAAAAAAA4D8AAAAAAADgPwAAAAAAAOA/AAAAAAAA4D8AAAAAAADgPwAAAAAAAOA/AAAAAAAA4D8CAAAAjAAAAAAAAAAAAAAAu+DjDP///wgAAAAAAAAAAAAAAAAAAAAAAAAAAAAAAAAAAAAAZAAAAAEAAABAAAAAAAAAAAAAAAAAAAAAAAAAAAAAAAAAAAAAAAAAAAAAAAAAAAAAAAAAAAAAAAAAAAAAAAAAAAAAAAAAAAAAAAAAAAAAAAAAAAAAAAAAAAAAAAAAAAAAFAAAADwAAAAAAAAAAAAAAAAAAAkUAAAAAQAAABQAAAAUAAAAFAAAAAEAAAAAAAAAZAAAAGQAAAAAAAAAZAAAAGQAAAAVAAAAYAAAAAAAAAAAAAAADwAAACADAAAAAAAAAAAAAAEAAACgMgAAVgcAAKr4//8BAAAAf39/AAEAAABkAAAAAAAAABQAAABAHwAAAAAAACYAAAAAAAAAwOD//wAAAAAmAAAAZAAAABYAAABMAAAAAAAAAAAAAAAEAAAAAAAAAAEAAACAgIAKAAAAACgAAAAoAAAAZAAAAGQAAAAAAAAAzMzMAAAAAABQAAAAUAAAAGQAAABkAAAAAAAAABcAAAAUAAAAAAAAAAAAAAD/fwAA/38AAAAAAAAJAAAABAAAADIAATMMAAAAEAAAAAAAAAAAAAAAAAAAAAAAAAAeAAAAaAAAAAAAAAAAAAAAAAAAAAAAAAAAAAAAECcAABAnAAAAAAAAAAAAAAAAAAAAAAAAAAAAAAAAAAAAAAAAAAAAABQAAAAAAAAAwMD/AAAAAABkAAAAMgAAAAAAAABkAAAAAAAAAH9/fwAKAAAAHwAAAFQAAAAAAAAFAAAAAQAAAAAAAAAAAAAAAAAAAAAAAAAAAAAAAAAAAAAAAAAAAAAAAn9/fwAAAAADzMzMAMDA/wB/f38AAAAAAAAAAAAAAAAAAAAAAAAAAAAhAAAAGAAAABQAAAD+FQAArgEAAHA1AACwJQAAEAAAACYAAAAIAAAAAYAAAAAAAAA="/>
               </a:ext>
             </a:extLst>
           </p:cNvSpPr>
@@ -2318,7 +2318,7 @@
             <a:spLocks noGrp="1" noChangeArrowheads="1"/>
             <a:extLst>
               <a:ext uri="smNativeData">
-                <pr:smNativeData xmlns:pr="smNativeData" val="SMDATA_13_5C6yYxMAAAAlAAAAZAAAAA8BAAAAkAAAAEgAAACQAAAASAAAAAAAAAAAAAAAAAAAAAEAAABQAAAAAAAAAAAA4D8AAAAAAADgPwAAAAAAAOA/AAAAAAAA4D8AAAAAAADgPwAAAAAAAOA/AAAAAAAA4D8AAAAAAADgPwAAAAAAAOA/AAAAAAAA4D8CAAAAjAAAAAAAAAAAAAAAu+DjDP///wgAAAAAAAAAAAAAAAAAAAAAAAAAAAAAAAAAAAAAZAAAAAEAAABAAAAAAAAAAAAAAAAAAAAAAAAAAAAAAAAAAAAAAAAAAAAAAAAAAAAAAAAAAAAAAAAAAAAAAAAAAAAAAAAAAAAAAAAAAAAAAAAAAAAAAAAAAAAAAAAAAAAAFAAAADwAAAAAAAAAAAAAAAAAAAkUAAAAAQAAABQAAAAUAAAAFAAAAAEAAAAAAAAAZAAAAGQAAAAAAAAAZAAAAGQAAAAVAAAAYAAAAAAAAAAAAAAADwAAACADAAAAAAAAAAAAAAEAAACgMgAAVgcAAKr4//8BAAAAf39/AAEAAABkAAAAAAAAABQAAABAHwAAAAAAACYAAAAAAAAAwOD//wAAAAAmAAAAZAAAABYAAABMAAAAAAAAAAAAAAAEAAAAAAAAAAEAAACAgIAKAAAAACgAAAAoAAAAZAAAAGQAAAAAAAAAzMzMAAAAAABQAAAAUAAAAGQAAABkAAAAAAAAABcAAAAUAAAAAAAAAAAAAAD/fwAA/38AAAAAAAAJAAAABAAAAGQAAAAMAAAAEAAAAAAAAAAAAAAAAAAAAAAAAAAeAAAAaAAAAAAAAAAAAAAAAAAAAAAAAAAAAAAAECcAABAnAAAAAAAAAAAAAAAAAAAAAAAAAAAAAAAAAAAAAAAAAAAAABQAAAAAAAAAwMD/AAAAAABkAAAAMgAAAAAAAABkAAAAAAAAAH9/fwAKAAAAHwAAAFQAAAAAAAAFAAAAAQAAAAAAAAAAAAAAAAAAAAAAAAAAAAAAAAAAAAAAAAAAAAAAAn9/fwAAAAADzMzMAMDA/wB/f38AAAAAAAAAAAAAAAAAAAAAAAAAAAAhAAAAGAAAABQAAADQAgAA1AgAAFIVAACwJQAAEAAAACYAAAAIAAAAAYAAAAAAAAA="/>
+                <pr:smNativeData xmlns:pr="smNativeData" val="SMDATA_13_4y+yYxMAAAAlAAAAZAAAAA8BAAAAkAAAAEgAAACQAAAASAAAAAAAAAAAAAAAAAAAAAEAAABQAAAAAAAAAAAA4D8AAAAAAADgPwAAAAAAAOA/AAAAAAAA4D8AAAAAAADgPwAAAAAAAOA/AAAAAAAA4D8AAAAAAADgPwAAAAAAAOA/AAAAAAAA4D8CAAAAjAAAAAAAAAAAAAAAu+DjDP///wgAAAAAAAAAAAAAAAAAAAAAAAAAAAAAAAAAAAAAZAAAAAEAAABAAAAAAAAAAAAAAAAAAAAAAAAAAAAAAAAAAAAAAAAAAAAAAAAAAAAAAAAAAAAAAAAAAAAAAAAAAAAAAAAAAAAAAAAAAAAAAAAAAAAAAAAAAAAAAAAAAAAAFAAAADwAAAAAAAAAAAAAAAAAAAkUAAAAAQAAABQAAAAUAAAAFAAAAAEAAAAAAAAAZAAAAGQAAAAAAAAAZAAAAGQAAAAVAAAAYAAAAAAAAAAAAAAADwAAACADAAAAAAAAAAAAAAEAAACgMgAAVgcAAKr4//8BAAAAf39/AAEAAABkAAAAAAAAABQAAABAHwAAAAAAACYAAAAAAAAAwOD//wAAAAAmAAAAZAAAABYAAABMAAAAAAAAAAAAAAAEAAAAAAAAAAEAAACAgIAKAAAAACgAAAAoAAAAZAAAAGQAAAAAAAAAzMzMAAAAAABQAAAAUAAAAGQAAABkAAAAAAAAABcAAAAUAAAAAAAAAAAAAAD/fwAA/38AAAAAAAAJAAAABAAAAGQAAAAMAAAAEAAAAAAAAAAAAAAAAAAAAAAAAAAeAAAAaAAAAAAAAAAAAAAAAAAAAAAAAAAAAAAAECcAABAnAAAAAAAAAAAAAAAAAAAAAAAAAAAAAAAAAAAAAAAAAAAAABQAAAAAAAAAwMD/AAAAAABkAAAAMgAAAAAAAABkAAAAAAAAAH9/fwAKAAAAHwAAAFQAAAAAAAAFAAAAAQAAAAAAAAAAAAAAAAAAAAAAAAAAAAAAAAAAAAAAAAAAAAAAAn9/fwAAAAADzMzMAMDA/wB/f38AAAAAAAAAAAAAAAAAAAAAAAAAAAAhAAAAGAAAABQAAADQAgAA1AgAAFIVAACwJQAAEAAAACYAAAAIAAAAAYAAAAAAAAA="/>
               </a:ext>
             </a:extLst>
           </p:cNvSpPr>
@@ -2387,7 +2387,7 @@
             <a:spLocks noGrp="1" noChangeArrowheads="1"/>
             <a:extLst>
               <a:ext uri="smNativeData">
-                <pr:smNativeData xmlns:pr="smNativeData" val="SMDATA_13_5C6yYxMAAAAlAAAAZAAAAA8BAAAAkAAAAEgAAACQAAAASAAAAAAAAAABAAAAAAAAAAEAAABQAAAAAAAAAAAA4D8AAAAAAADgPwAAAAAAAOA/AAAAAAAA4D8AAAAAAADgPwAAAAAAAOA/AAAAAAAA4D8AAAAAAADgPwAAAAAAAOA/AAAAAAAA4D8CAAAAjAAAAAAAAAAAAAAAu+DjDP///wgAAAAAAAAAAAAAAAAAAAAAAAAAAAAAAAAAAAAAZAAAAAEAAABAAAAAAAAAAAAAAAAAAAAAAAAAAAAAAAAAAAAAAAAAAAAAAAAAAAAAAAAAAAAAAAAAAAAAAAAAAAAAAAAAAAAAAAAAAAAAAAAAAAAAAAAAAAAAAAAAAAAAFAAAADwAAAAAAAAAAAAAAAAAAAkUAAAAAQAAABQAAAAUAAAAFAAAAAEAAAAAAAAAZAAAAGQAAAAAAAAAZAAAAGQAAAAVAAAAYAAAAAAAAAAAAAAADwAAACADAAAAAAAAAAAAAAEAAACgMgAAVgcAAKr4//8BAAAAf39/AAEAAABkAAAAAAAAABQAAABAHwAAAAAAACYAAAAAAAAAwOD//wAAAAAmAAAAZAAAABYAAABMAAAAAAAAAAAAAAAEAAAAAAAAAAEAAACAgIAKAAAAACgAAAAoAAAAZAAAAGQAAAAAAAAAzMzMAAAAAABQAAAAUAAAAGQAAABkAAAAAAAAABcAAAAUAAAAAAAAAAAAAAD/fwAA/38AAAAAAAAJAAAABAAAAAAAAAAMAAAAEAAAAAAAAAAAAAAAAAAAAAAAAAAeAAAAaAAAAAAAAAAAAAAAAAAAAAAAAAAAAAAAECcAABAnAAAAAAAAAAAAAAAAAAAAAAAAAAAAAAAAAAAAAAAAAAAAABQAAAAAAAAAwMD/AAAAAABkAAAAMgAAAAAAAABkAAAAAAAAAH9/fwAKAAAAHwAAAFQAAAAAAAAFAAAAAQAAAAAAAAAAAAAAAAAAAAAAAAAAAAAAAAAAAAAAAAAAAAAAAn9/fwAAAAADzMzMAMDA/wB/f38AAAAAAAAAAAAAAAAAAAAAAAAAAAAhAAAAGAAAABQAAADQAgAAGycAAPAPAABZKQAAEAAAACYAAAAIAAAAAAAAAAAAAAA="/>
+                <pr:smNativeData xmlns:pr="smNativeData" val="SMDATA_13_4y+yYxMAAAAlAAAAZAAAAA8BAAAAkAAAAEgAAACQAAAASAAAAAAAAAABAAAAAAAAAAEAAABQAAAAAAAAAAAA4D8AAAAAAADgPwAAAAAAAOA/AAAAAAAA4D8AAAAAAADgPwAAAAAAAOA/AAAAAAAA4D8AAAAAAADgPwAAAAAAAOA/AAAAAAAA4D8CAAAAjAAAAAAAAAAAAAAAu+DjDP///wgAAAAAAAAAAAAAAAAAAAAAAAAAAAAAAAAAAAAAZAAAAAEAAABAAAAAAAAAAAAAAAAAAAAAAAAAAAAAAAAAAAAAAAAAAAAAAAAAAAAAAAAAAAAAAAAAAAAAAAAAAAAAAAAAAAAAAAAAAAAAAAAAAAAAAAAAAAAAAAAAAAAAFAAAADwAAAAAAAAAAAAAAAAAAAkUAAAAAQAAABQAAAAUAAAAFAAAAAEAAAAAAAAAZAAAAGQAAAAAAAAAZAAAAGQAAAAVAAAAYAAAAAAAAAAAAAAADwAAACADAAAAAAAAAAAAAAEAAACgMgAAVgcAAKr4//8BAAAAf39/AAEAAABkAAAAAAAAABQAAABAHwAAAAAAACYAAAAAAAAAwOD//wAAAAAmAAAAZAAAABYAAABMAAAAAAAAAAAAAAAEAAAAAAAAAAEAAACAgIAKAAAAACgAAAAoAAAAZAAAAGQAAAAAAAAAzMzMAAAAAABQAAAAUAAAAGQAAABkAAAAAAAAABcAAAAUAAAAAAAAAAAAAAD/fwAA/38AAAAAAAAJAAAABAAAAAAAAAAMAAAAEAAAAAAAAAAAAAAAAAAAAAAAAAAeAAAAaAAAAAAAAAAAAAAAAAAAAAAAAAAAAAAAECcAABAnAAAAAAAAAAAAAAAAAAAAAAAAAAAAAAAAAAAAAAAAAAAAABQAAAAAAAAAwMD/AAAAAABkAAAAMgAAAAAAAABkAAAAAAAAAH9/fwAKAAAAHwAAAFQAAAAAAAAFAAAAAQAAAAAAAAAAAAAAAAAAAAAAAAAAAAAAAAAAAAAAAAAAAAAAAn9/fwAAAAADzMzMAMDA/wB/f38AAAAAAAAAAAAAAAAAAAAAAAAAAAAhAAAAGAAAABQAAADQAgAAGycAAPAPAABZKQAAEAAAACYAAAAIAAAAAAAAAAAAAAA="/>
               </a:ext>
             </a:extLst>
           </p:cNvSpPr>
@@ -2401,7 +2401,7 @@
           <a:lstStyle/>
           <a:p>
             <a:pPr/>
-            <a:fld id="{063463F2-BCEB-6195-A58C-4AC02DC2531F}" type="datetime1">
+            <a:fld id="{0608864C-02EB-5D70-A5B0-F425C8FE53A1}" type="datetime1">
               <a:t/>
             </a:fld>
           </a:p>
@@ -2414,7 +2414,7 @@
             <a:spLocks noGrp="1" noChangeArrowheads="1"/>
             <a:extLst>
               <a:ext uri="smNativeData">
-                <pr:smNativeData xmlns:pr="smNativeData" val="SMDATA_13_5C6yYxMAAAAlAAAAZAAAAA8BAAAAkAAAAEgAAACQAAAASAAAAAAAAAABAAAAAAAAAAEAAABQAAAAAAAAAAAA4D8AAAAAAADgPwAAAAAAAOA/AAAAAAAA4D8AAAAAAADgPwAAAAAAAOA/AAAAAAAA4D8AAAAAAADgPwAAAAAAAOA/AAAAAAAA4D8CAAAAjAAAAAAAAAAAAAAAu+DjDP///wgAAAAAAAAAAAAAAAAAAAAAAAAAAAAAAAAAAAAAZAAAAAEAAABAAAAAAAAAAAAAAAAAAAAAAAAAAAAAAAAAAAAAAAAAAAAAAAAAAAAAAAAAAAAAAAAAAAAAAAAAAAAAAAAAAAAAAAAAAAAAAAAAAAAAAAAAAAAAAAAAAAAAFAAAADwAAAAAAAAAAAAAAAAAAAkUAAAAAQAAABQAAAAUAAAAFAAAAAEAAAAAAAAAZAAAAGQAAAAAAAAAZAAAAGQAAAAVAAAAYAAAAAAAAAAAAAAADwAAACADAAAAAAAAAAAAAAEAAACgMgAAVgcAAKr4//8BAAAAf39/AAEAAABkAAAAAAAAABQAAABAHwAAAAAAACYAAAAAAAAAwOD//wAAAAAmAAAAZAAAABYAAABMAAAAAAAAAAAAAAAEAAAAAAAAAAEAAACAgIAKAAAAACgAAAAoAAAAZAAAAGQAAAAAAAAAzMzMAAAAAABQAAAAUAAAAGQAAABkAAAAAAAAABcAAAAUAAAAAAAAAAAAAAD/fwAA/38AAAAAAAAJAAAABAAAAAAAAAAMAAAAEAAAAAAAAAAAAAAAAAAAAAAAAAAeAAAAaAAAAAAAAAAAAAAAAAAAAAAAAAAAAAAAECcAABAnAAAAAAAAAAAAAAAAAAAAAAAAAAAAAAAAAAAAAAAAAAAAABQAAAAAAAAAwMD/AAAAAABkAAAAMgAAAAAAAABkAAAAAAAAAH9/fwAKAAAAHwAAAFQAAAAAAAAFAAAAAQAAAAAAAAAAAAAAAAAAAAAAAAAAAAAAAAAAAAAAAAAAAAAAAn9/fwAAAAADzMzMAMDA/wB/f38AAAAAAAAAAAAAAAAAAAAAAAAAAAAhAAAAGAAAABQAAAA4EwAAGycAAAglAABZKQAAEAAAACYAAAAIAAAAAAAAAAAAAAA="/>
+                <pr:smNativeData xmlns:pr="smNativeData" val="SMDATA_13_4y+yYxMAAAAlAAAAZAAAAA8BAAAAkAAAAEgAAACQAAAASAAAAAAAAAABAAAAAAAAAAEAAABQAAAAAAAAAAAA4D8AAAAAAADgPwAAAAAAAOA/AAAAAAAA4D8AAAAAAADgPwAAAAAAAOA/AAAAAAAA4D8AAAAAAADgPwAAAAAAAOA/AAAAAAAA4D8CAAAAjAAAAAAAAAAAAAAAu+DjDP///wgAAAAAAAAAAAAAAAAAAAAAAAAAAAAAAAAAAAAAZAAAAAEAAABAAAAAAAAAAAAAAAAAAAAAAAAAAAAAAAAAAAAAAAAAAAAAAAAAAAAAAAAAAAAAAAAAAAAAAAAAAAAAAAAAAAAAAAAAAAAAAAAAAAAAAAAAAAAAAAAAAAAAFAAAADwAAAAAAAAAAAAAAAAAAAkUAAAAAQAAABQAAAAUAAAAFAAAAAEAAAAAAAAAZAAAAGQAAAAAAAAAZAAAAGQAAAAVAAAAYAAAAAAAAAAAAAAADwAAACADAAAAAAAAAAAAAAEAAACgMgAAVgcAAKr4//8BAAAAf39/AAEAAABkAAAAAAAAABQAAABAHwAAAAAAACYAAAAAAAAAwOD//wAAAAAmAAAAZAAAABYAAABMAAAAAAAAAAAAAAAEAAAAAAAAAAEAAACAgIAKAAAAACgAAAAoAAAAZAAAAGQAAAAAAAAAzMzMAAAAAABQAAAAUAAAAGQAAABkAAAAAAAAABcAAAAUAAAAAAAAAAAAAAD/fwAA/38AAAAAAAAJAAAABAAAAAAAAAAMAAAAEAAAAAAAAAAAAAAAAAAAAAAAAAAeAAAAaAAAAAAAAAAAAAAAAAAAAAAAAAAAAAAAECcAABAnAAAAAAAAAAAAAAAAAAAAAAAAAAAAAAAAAAAAAAAAAAAAABQAAAAAAAAAwMD/AAAAAABkAAAAMgAAAAAAAABkAAAAAAAAAH9/fwAKAAAAHwAAAFQAAAAAAAAFAAAAAQAAAAAAAAAAAAAAAAAAAAAAAAAAAAAAAAAAAAAAAAAAAAAAAn9/fwAAAAADzMzMAMDA/wB/f38AAAAAAAAAAAAAAAAAAAAAAAAAAAAhAAAAGAAAABQAAAA4EwAAGycAAAglAABZKQAAEAAAACYAAAAIAAAAAAAAAAAAAAA="/>
               </a:ext>
             </a:extLst>
           </p:cNvSpPr>
@@ -2438,7 +2438,7 @@
             <a:spLocks noGrp="1" noChangeArrowheads="1"/>
             <a:extLst>
               <a:ext uri="smNativeData">
-                <pr:smNativeData xmlns:pr="smNativeData" val="SMDATA_13_5C6yYxMAAAAlAAAAZAAAAA8BAAAAkAAAAEgAAACQAAAASAAAAAAAAAABAAAAAAAAAAEAAABQAAAAAAAAAAAA4D8AAAAAAADgPwAAAAAAAOA/AAAAAAAA4D8AAAAAAADgPwAAAAAAAOA/AAAAAAAA4D8AAAAAAADgPwAAAAAAAOA/AAAAAAAA4D8CAAAAjAAAAAAAAAAAAAAAu+DjDP///wgAAAAAAAAAAAAAAAAAAAAAAAAAAAAAAAAAAAAAZAAAAAEAAABAAAAAAAAAAAAAAAAAAAAAAAAAAAAAAAAAAAAAAAAAAAAAAAAAAAAAAAAAAAAAAAAAAAAAAAAAAAAAAAAAAAAAAAAAAAAAAAAAAAAAAAAAAAAAAAAAAAAAFAAAADwAAAAAAAAAAAAAAAAAAAkUAAAAAQAAABQAAAAUAAAAFAAAAAEAAAAAAAAAZAAAAGQAAAAAAAAAZAAAAGQAAAAVAAAAYAAAAAAAAAAAAAAADwAAACADAAAAAAAAAAAAAAEAAACgMgAAVgcAAKr4//8BAAAAf39/AAEAAABkAAAAAAAAABQAAABAHwAAAAAAACYAAAAAAAAAwOD//wAAAAAmAAAAZAAAABYAAABMAAAAAAAAAAAAAAAEAAAAAAAAAAEAAACAgIAKAAAAACgAAAAoAAAAZAAAAGQAAAAAAAAAzMzMAAAAAABQAAAAUAAAAGQAAABkAAAAAAAAABcAAAAUAAAAAAAAAAAAAAD/fwAA/38AAAAAAAAJAAAABAAAAAAAAAAMAAAAEAAAAAAAAAAAAAAAAAAAAAAAAAAeAAAAaAAAAAAAAAAAAAAAAAAAAAAAAAAAAAAAECcAABAnAAAAAAAAAAAAAAAAAAAAAAAAAAAAAAAAAAAAAAAAAAAAABQAAAAAAAAAwMD/AAAAAABkAAAAMgAAAAAAAABkAAAAAAAAAH9/fwAKAAAAHwAAAFQAAAAAAAAFAAAAAQAAAAAAAAAAAAAAAAAAAAAAAAAAAAAAAAAAAAAAAAAAAAAAAn9/fwAAAAADzMzMAMDA/wB/f38AAAAAAAAAAAAAAAAAAAAAAAAAAAAhAAAAGAAAABQAAABQKAAAGycAAHA1AABZKQAAEAAAACYAAAAIAAAAAAAAAAAAAAA="/>
+                <pr:smNativeData xmlns:pr="smNativeData" val="SMDATA_13_4y+yYxMAAAAlAAAAZAAAAA8BAAAAkAAAAEgAAACQAAAASAAAAAAAAAABAAAAAAAAAAEAAABQAAAAAAAAAAAA4D8AAAAAAADgPwAAAAAAAOA/AAAAAAAA4D8AAAAAAADgPwAAAAAAAOA/AAAAAAAA4D8AAAAAAADgPwAAAAAAAOA/AAAAAAAA4D8CAAAAjAAAAAAAAAAAAAAAu+DjDP///wgAAAAAAAAAAAAAAAAAAAAAAAAAAAAAAAAAAAAAZAAAAAEAAABAAAAAAAAAAAAAAAAAAAAAAAAAAAAAAAAAAAAAAAAAAAAAAAAAAAAAAAAAAAAAAAAAAAAAAAAAAAAAAAAAAAAAAAAAAAAAAAAAAAAAAAAAAAAAAAAAAAAAFAAAADwAAAAAAAAAAAAAAAAAAAkUAAAAAQAAABQAAAAUAAAAFAAAAAEAAAAAAAAAZAAAAGQAAAAAAAAAZAAAAGQAAAAVAAAAYAAAAAAAAAAAAAAADwAAACADAAAAAAAAAAAAAAEAAACgMgAAVgcAAKr4//8BAAAAf39/AAEAAABkAAAAAAAAABQAAABAHwAAAAAAACYAAAAAAAAAwOD//wAAAAAmAAAAZAAAABYAAABMAAAAAAAAAAAAAAAEAAAAAAAAAAEAAACAgIAKAAAAACgAAAAoAAAAZAAAAGQAAAAAAAAAzMzMAAAAAABQAAAAUAAAAGQAAABkAAAAAAAAABcAAAAUAAAAAAAAAAAAAAD/fwAA/38AAAAAAAAJAAAABAAAAAAAAAAMAAAAEAAAAAAAAAAAAAAAAAAAAAAAAAAeAAAAaAAAAAAAAAAAAAAAAAAAAAAAAAAAAAAAECcAABAnAAAAAAAAAAAAAAAAAAAAAAAAAAAAAAAAAAAAAAAAAAAAABQAAAAAAAAAwMD/AAAAAABkAAAAMgAAAAAAAABkAAAAAAAAAH9/fwAKAAAAHwAAAFQAAAAAAAAFAAAAAQAAAAAAAAAAAAAAAAAAAAAAAAAAAAAAAAAAAAAAAAAAAAAAAn9/fwAAAAADzMzMAMDA/wB/f38AAAAAAAAAAAAAAAAAAAAAAAAAAAAhAAAAGAAAABQAAABQKAAAGycAAHA1AABZKQAAEAAAACYAAAAIAAAAAAAAAAAAAAA="/>
               </a:ext>
             </a:extLst>
           </p:cNvSpPr>
@@ -2452,7 +2452,7 @@
           <a:lstStyle/>
           <a:p>
             <a:pPr/>
-            <a:fld id="{063451D4-9AEB-61A7-A58C-6CF21FC25339}" type="slidenum">
+            <a:fld id="{0608AC76-38EB-5D5A-A5B0-CE0FE2FE539B}" type="slidenum">
               <a:t/>
             </a:fld>
           </a:p>
@@ -2490,7 +2490,7 @@
             <a:spLocks noGrp="1" noChangeArrowheads="1"/>
             <a:extLst>
               <a:ext uri="smNativeData">
-                <pr:smNativeData xmlns:pr="smNativeData" val="SMDATA_13_5C6yYxMAAAAlAAAAZAAAAA8BAAAAkAAAAEgAAACQAAAASAAAAAAAAAACAAAAAAAAAAEAAABQAAAAAAAAAAAA4D8AAAAAAADgPwAAAAAAAOA/AAAAAAAA4D8AAAAAAADgPwAAAAAAAOA/AAAAAAAA4D8AAAAAAADgPwAAAAAAAOA/AAAAAAAA4D8CAAAAjAAAAAAAAAAAAAAAu+DjDP///wgAAAAAAAAAAAAAAAAAAAAAAAAAAAAAAAAAAAAAZAAAAAEAAABAAAAAAAAAAAAAAAAAAAAAAAAAAAAAAAAAAAAAAAAAAAAAAAAAAAAAAAAAAAAAAAAAAAAAAAAAAAAAAAAAAAAAAAAAAAAAAAAAAAAAAAAAAAAAAAAAAAAAFAAAADwAAAAAAAAAAAAAAAAAAAkUAAAAAQAAABQAAAAUAAAAFAAAAAEAAAAAAAAAZAAAAGQAAAAAAAAAZAAAAGQAAAAVAAAAYAAAAAAAAAAAAAAADwAAACADAAAAAAAAAAAAAAEAAACgMgAAVgcAAKr4//8BAAAAf39/AAEAAABkAAAAAAAAABQAAABAHwAAAAAAACYAAAAAAAAAwOD//wAAAAAmAAAAZAAAABYAAABMAAAAAAAAAAAAAAAEAAAAAAAAAAEAAACAgIAKAAAAACgAAAAoAAAAZAAAAGQAAAAAAAAAzMzMAAAAAABQAAAAUAAAAGQAAABkAAAAAAAAABcAAAAUAAAAAAAAAAAAAAD/fwAA/38AAAAAAAAJAAAABAAAAH9/fwAMAAAAEAAAAAAAAAAAAAAAAAAAAAAAAAAeAAAAaAAAAAAAAAAAAAAAAAAAAAAAAAAAAAAAECcAABAnAAAAAAAAAAAAAAAAAAAAAAAAAAAAAAAAAAAAAAAAAAAAABQAAAAAAAAAwMD/AAAAAABkAAAAMgAAAAAAAABkAAAAAAAAAH9/fwAKAAAAHwAAAFQAAAAAAAAFAAAAAQAAAAAAAAAAAAAAAAAAAAAAAAAAAAAAAAAAAAAAAAAAAAAAAn9/fwAAAAADzMzMAMDA/wB/f38AAAAAAAAAAAAAAAAAAAAAAAAAAAAhAAAAGAAAABQAAAAGCwAAiB0AAMYsAAAEIQAAEAAAACYAAAAIAAAAgYAAAAAAAAA="/>
+                <pr:smNativeData xmlns:pr="smNativeData" val="SMDATA_13_4y+yYxMAAAAlAAAAZAAAAA8BAAAAkAAAAEgAAACQAAAASAAAAAAAAAACAAAAAAAAAAEAAABQAAAAAAAAAAAA4D8AAAAAAADgPwAAAAAAAOA/AAAAAAAA4D8AAAAAAADgPwAAAAAAAOA/AAAAAAAA4D8AAAAAAADgPwAAAAAAAOA/AAAAAAAA4D8CAAAAjAAAAAAAAAAAAAAAu+DjDP///wgAAAAAAAAAAAAAAAAAAAAAAAAAAAAAAAAAAAAAZAAAAAEAAABAAAAAAAAAAAAAAAAAAAAAAAAAAAAAAAAAAAAAAAAAAAAAAAAAAAAAAAAAAAAAAAAAAAAAAAAAAAAAAAAAAAAAAAAAAAAAAAAAAAAAAAAAAAAAAAAAAAAAFAAAADwAAAAAAAAAAAAAAAAAAAkUAAAAAQAAABQAAAAUAAAAFAAAAAEAAAAAAAAAZAAAAGQAAAAAAAAAZAAAAGQAAAAVAAAAYAAAAAAAAAAAAAAADwAAACADAAAAAAAAAAAAAAEAAACgMgAAVgcAAKr4//8BAAAAf39/AAEAAABkAAAAAAAAABQAAABAHwAAAAAAACYAAAAAAAAAwOD//wAAAAAmAAAAZAAAABYAAABMAAAAAAAAAAAAAAAEAAAAAAAAAAEAAACAgIAKAAAAACgAAAAoAAAAZAAAAGQAAAAAAAAAzMzMAAAAAABQAAAAUAAAAGQAAABkAAAAAAAAABcAAAAUAAAAAAAAAAAAAAD/fwAA/38AAAAAAAAJAAAABAAAAH9/fwAMAAAAEAAAAAAAAAAAAAAAAAAAAAAAAAAeAAAAaAAAAAAAAAAAAAAAAAAAAAAAAAAAAAAAECcAABAnAAAAAAAAAAAAAAAAAAAAAAAAAAAAAAAAAAAAAAAAAAAAABQAAAAAAAAAwMD/AAAAAABkAAAAMgAAAAAAAABkAAAAAAAAAH9/fwAKAAAAHwAAAFQAAAAAAAAFAAAAAQAAAAAAAAAAAAAAAAAAAAAAAAAAAAAAAAAAAAAAAAAAAAAAAn9/fwAAAAADzMzMAMDA/wB/f38AAAAAAAAAAAAAAAAAAAAAAAAAAAAhAAAAGAAAABQAAAAGCwAAiB0AAMYsAAAEIQAAEAAAACYAAAAIAAAAgYAAAAAAAAA="/>
               </a:ext>
             </a:extLst>
           </p:cNvSpPr>
@@ -2530,7 +2530,7 @@
             <a:spLocks noGrp="1" noChangeArrowheads="1"/>
             <a:extLst>
               <a:ext uri="smNativeData">
-                <pr:smNativeData xmlns:pr="smNativeData" val="SMDATA_13_5C6yYxMAAAAlAAAAZAAAAA8BAAAAkAAAAEgAAACQAAAASAAAAAAAAAAAAAAAAAAAAAEAAABQAAAAAAAAAAAA4D8AAAAAAADgPwAAAAAAAOA/AAAAAAAA4D8AAAAAAADgPwAAAAAAAOA/AAAAAAAA4D8AAAAAAADgPwAAAAAAAOA/AAAAAAAA4D8CAAAAjAAAAAAAAAAAAAAAu+DjDP///wgAAAAAAAAAAAAAAAAAAAAAAAAAAAAAAAAAAAAAZAAAAAEAAABAAAAAAAAAAAAAAAAAAAAAAAAAAAAAAAAAAAAAAAAAAAAAAAAAAAAAAAAAAAAAAAAAAAAAAAAAAAAAAAAAAAAAAAAAAAAAAAAAAAAAAAAAAAAAAAAAAAAAFAAAADwAAAAAAAAAAAAAAAAAAAkUAAAAAQAAABQAAAAUAAAAFAAAAAEAAAAAAAAAZAAAAGQAAAAAAAAAZAAAAGQAAAAVAAAAYAAAAAAAAAAAAAAADwAAACADAAAAAAAAAAAAAAEAAACgMgAAVgcAAKr4//8BAAAAf39/AAEAAABkAAAAAAAAABQAAABAHwAAAAAAACYAAAAAAAAAwOD//wAAAAAmAAAAZAAAABYAAABMAAAAAAAAAAAAAAAEAAAAAAAAAAEAAACAgIAKAAAAACgAAAAoAAAAZAAAAGQAAAAAAAAAzMzMAAAAAABQAAAAUAAAAGQAAABkAAAAAAAAABcAAAAUAAAAAAAAAAAAAAD/fwAA/38AAAAAAAAJAAAABAAAAAAAAAAMAAAAEAAAAAAAAAAAAAAAAAAAAAAAAAAeAAAAaAAAAAAAAAAAAAAAAAAAAAAAAAAAAAAAECcAABAnAAAAAAAAAAAAAAAAAAAAAAAAAAAAAAAAAAAAAAAAAAAAABQAAAAAAAAAwMD/AAAAAABkAAAAMgAAAAAAAABkAAAAAAAAAH9/fwAKAAAAHwAAAFQAAAAAAAAFAAAAAQAAAAAAAAAAAAAAAAAAAAAAAAAAAAAAAAAAAAAAAAAAAAAAAn9/fwAAAAADzMzMAMDA/wB/f38AAAAAAAAAAAAAAAAAAAAAAAAAAAAhAAAAGAAAABQAAAAGCwAAxgMAAMYsAAAWHQAAEAAAACYAAAAIAAAAAYAAAAAAAAA="/>
+                <pr:smNativeData xmlns:pr="smNativeData" val="SMDATA_13_4y+yYxMAAAAlAAAAZAAAAA8BAAAAkAAAAEgAAACQAAAASAAAAAAAAAAAAAAAAAAAAAEAAABQAAAAAAAAAAAA4D8AAAAAAADgPwAAAAAAAOA/AAAAAAAA4D8AAAAAAADgPwAAAAAAAOA/AAAAAAAA4D8AAAAAAADgPwAAAAAAAOA/AAAAAAAA4D8CAAAAjAAAAAAAAAAAAAAAu+DjDP///wgAAAAAAAAAAAAAAAAAAAAAAAAAAAAAAAAAAAAAZAAAAAEAAABAAAAAAAAAAAAAAAAAAAAAAAAAAAAAAAAAAAAAAAAAAAAAAAAAAAAAAAAAAAAAAAAAAAAAAAAAAAAAAAAAAAAAAAAAAAAAAAAAAAAAAAAAAAAAAAAAAAAAFAAAADwAAAAAAAAAAAAAAAAAAAkUAAAAAQAAABQAAAAUAAAAFAAAAAEAAAAAAAAAZAAAAGQAAAAAAAAAZAAAAGQAAAAVAAAAYAAAAAAAAAAAAAAADwAAACADAAAAAAAAAAAAAAEAAACgMgAAVgcAAKr4//8BAAAAf39/AAEAAABkAAAAAAAAABQAAABAHwAAAAAAACYAAAAAAAAAwOD//wAAAAAmAAAAZAAAABYAAABMAAAAAAAAAAAAAAAEAAAAAAAAAAEAAACAgIAKAAAAACgAAAAoAAAAZAAAAGQAAAAAAAAAzMzMAAAAAABQAAAAUAAAAGQAAABkAAAAAAAAABcAAAAUAAAAAAAAAAAAAAD/fwAA/38AAAAAAAAJAAAABAAAAAAAAAAMAAAAEAAAAAAAAAAAAAAAAAAAAAAAAAAeAAAAaAAAAAAAAAAAAAAAAAAAAAAAAAAAAAAAECcAABAnAAAAAAAAAAAAAAAAAAAAAAAAAAAAAAAAAAAAAAAAAAAAABQAAAAAAAAAwMD/AAAAAABkAAAAMgAAAAAAAABkAAAAAAAAAH9/fwAKAAAAHwAAAFQAAAAAAAAFAAAAAQAAAAAAAAAAAAAAAAAAAAAAAAAAAAAAAAAAAAAAAAAAAAAAAn9/fwAAAAADzMzMAMDA/wB/f38AAAAAAAAAAAAAAAAAAAAAAAAAAAAhAAAAGAAAABQAAAAGCwAAxgMAAMYsAAAWHQAAEAAAACYAAAAIAAAAAYAAAAAAAAA="/>
               </a:ext>
             </a:extLst>
           </p:cNvSpPr>
@@ -2599,7 +2599,7 @@
             <a:spLocks noGrp="1" noChangeArrowheads="1"/>
             <a:extLst>
               <a:ext uri="smNativeData">
-                <pr:smNativeData xmlns:pr="smNativeData" val="SMDATA_13_5C6yYxMAAAAlAAAAZAAAAA8BAAAAkAAAAEgAAACQAAAASAAAAAAAAAAAAAAAAAAAAAEAAABQAAAAAAAAAAAA4D8AAAAAAADgPwAAAAAAAOA/AAAAAAAA4D8AAAAAAADgPwAAAAAAAOA/AAAAAAAA4D8AAAAAAADgPwAAAAAAAOA/AAAAAAAA4D8CAAAAjAAAAAAAAAAAAAAAu+DjDP///wgAAAAAAAAAAAAAAAAAAAAAAAAAAAAAAAAAAAAAZAAAAAEAAABAAAAAAAAAAAAAAAAAAAAAAAAAAAAAAAAAAAAAAAAAAAAAAAAAAAAAAAAAAAAAAAAAAAAAAAAAAAAAAAAAAAAAAAAAAAAAAAAAAAAAAAAAAAAAAAAAAAAAFAAAADwAAAAAAAAAAAAAAAAAAAkUAAAAAQAAABQAAAAUAAAAFAAAAAEAAAAAAAAAZAAAAGQAAAAAAAAAZAAAAGQAAAAVAAAAYAAAAAAAAAAAAAAADwAAACADAAAAAAAAAAAAAAEAAACgMgAAVgcAAKr4//8BAAAAf39/AAEAAABkAAAAAAAAABQAAABAHwAAAAAAACYAAAAAAAAAwOD//wAAAAAmAAAAZAAAABYAAABMAAAAAAAAAAAAAAAEAAAAAAAAAAEAAACAgIAKAAAAACgAAAAoAAAAZAAAAGQAAAAAAAAAzMzMAAAAAABQAAAAUAAAAGQAAABkAAAAAAAAABcAAAAUAAAAAAAAAAAAAAD/fwAA/38AAAAAAAAJAAAABAAAAAAAAAAMAAAAEAAAAAAAAAAAAAAAAAAAAAAAAAAeAAAAaAAAAAAAAAAAAAAAAAAAAAAAAAAAAAAAECcAABAnAAAAAAAAAAAAAAAAAAAAAAAAAAAAAAAAAAAAAAAAAAAAABQAAAAAAAAAwMD/AAAAAABkAAAAMgAAAAAAAABkAAAAAAAAAH9/fwAKAAAAHwAAAFQAAAAAAAAFAAAAAQAAAAAAAAAAAAAAAAAAAAAAAAAAAAAAAAAAAAAAAAAAAAAAAn9/fwAAAAADzMzMAMDA/wB/f38AAAAAAAAAAAAAAAAAAAAAAAAAAAAhAAAAGAAAABQAAAAGCwAABCEAAMYsAAD4JQAAEAAAACYAAAAIAAAAAYAAAAAAAAA="/>
+                <pr:smNativeData xmlns:pr="smNativeData" val="SMDATA_13_4y+yYxMAAAAlAAAAZAAAAA8BAAAAkAAAAEgAAACQAAAASAAAAAAAAAAAAAAAAAAAAAEAAABQAAAAAAAAAAAA4D8AAAAAAADgPwAAAAAAAOA/AAAAAAAA4D8AAAAAAADgPwAAAAAAAOA/AAAAAAAA4D8AAAAAAADgPwAAAAAAAOA/AAAAAAAA4D8CAAAAjAAAAAAAAAAAAAAAu+DjDP///wgAAAAAAAAAAAAAAAAAAAAAAAAAAAAAAAAAAAAAZAAAAAEAAABAAAAAAAAAAAAAAAAAAAAAAAAAAAAAAAAAAAAAAAAAAAAAAAAAAAAAAAAAAAAAAAAAAAAAAAAAAAAAAAAAAAAAAAAAAAAAAAAAAAAAAAAAAAAAAAAAAAAAFAAAADwAAAAAAAAAAAAAAAAAAAkUAAAAAQAAABQAAAAUAAAAFAAAAAEAAAAAAAAAZAAAAGQAAAAAAAAAZAAAAGQAAAAVAAAAYAAAAAAAAAAAAAAADwAAACADAAAAAAAAAAAAAAEAAACgMgAAVgcAAKr4//8BAAAAf39/AAEAAABkAAAAAAAAABQAAABAHwAAAAAAACYAAAAAAAAAwOD//wAAAAAmAAAAZAAAABYAAABMAAAAAAAAAAAAAAAEAAAAAAAAAAEAAACAgIAKAAAAACgAAAAoAAAAZAAAAGQAAAAAAAAAzMzMAAAAAABQAAAAUAAAAGQAAABkAAAAAAAAABcAAAAUAAAAAAAAAAAAAAD/fwAA/38AAAAAAAAJAAAABAAAAAAAAAAMAAAAEAAAAAAAAAAAAAAAAAAAAAAAAAAeAAAAaAAAAAAAAAAAAAAAAAAAAAAAAAAAAAAAECcAABAnAAAAAAAAAAAAAAAAAAAAAAAAAAAAAAAAAAAAAAAAAAAAABQAAAAAAAAAwMD/AAAAAABkAAAAMgAAAAAAAABkAAAAAAAAAH9/fwAKAAAAHwAAAFQAAAAAAAAFAAAAAQAAAAAAAAAAAAAAAAAAAAAAAAAAAAAAAAAAAAAAAAAAAAAAAn9/fwAAAAADzMzMAMDA/wB/f38AAAAAAAAAAAAAAAAAAAAAAAAAAAAhAAAAGAAAABQAAAAGCwAABCEAAMYsAAD4JQAAEAAAACYAAAAIAAAAAYAAAAAAAAA="/>
               </a:ext>
             </a:extLst>
           </p:cNvSpPr>
@@ -2668,7 +2668,7 @@
             <a:spLocks noGrp="1" noChangeArrowheads="1"/>
             <a:extLst>
               <a:ext uri="smNativeData">
-                <pr:smNativeData xmlns:pr="smNativeData" val="SMDATA_13_5C6yYxMAAAAlAAAAZAAAAA8BAAAAkAAAAEgAAACQAAAASAAAAAAAAAABAAAAAAAAAAEAAABQAAAAAAAAAAAA4D8AAAAAAADgPwAAAAAAAOA/AAAAAAAA4D8AAAAAAADgPwAAAAAAAOA/AAAAAAAA4D8AAAAAAADgPwAAAAAAAOA/AAAAAAAA4D8CAAAAjAAAAAAAAAAAAAAAu+DjDP///wgAAAAAAAAAAAAAAAAAAAAAAAAAAAAAAAAAAAAAZAAAAAEAAABAAAAAAAAAAAAAAAAAAAAAAAAAAAAAAAAAAAAAAAAAAAAAAAAAAAAAAAAAAAAAAAAAAAAAAAAAAAAAAAAAAAAAAAAAAAAAAAAAAAAAAAAAAAAAAAAAAAAAFAAAADwAAAAAAAAAAAAAAAAAAAkUAAAAAQAAABQAAAAUAAAAFAAAAAEAAAAAAAAAZAAAAGQAAAAAAAAAZAAAAGQAAAAVAAAAYAAAAAAAAAAAAAAADwAAACADAAAAAAAAAAAAAAEAAACgMgAAVgcAAKr4//8BAAAAf39/AAEAAABkAAAAAAAAABQAAABAHwAAAAAAACYAAAAAAAAAwOD//wAAAAAmAAAAZAAAABYAAABMAAAAAAAAAAAAAAAEAAAAAAAAAAEAAACAgIAKAAAAACgAAAAoAAAAZAAAAGQAAAAAAAAAzMzMAAAAAABQAAAAUAAAAGQAAABkAAAAAAAAABcAAAAUAAAAAAAAAAAAAAD/fwAA/38AAAAAAAAJAAAABAAAAAAAAAAMAAAAEAAAAAAAAAAAAAAAAAAAAAAAAAAeAAAAaAAAAAAAAAAAAAAAAAAAAAAAAAAAAAAAECcAABAnAAAAAAAAAAAAAAAAAAAAAAAAAAAAAAAAAAAAAAAAAAAAABQAAAAAAAAAwMD/AAAAAABkAAAAMgAAAAAAAABkAAAAAAAAAH9/fwAKAAAAHwAAAFQAAAAAAAAFAAAAAQAAAAAAAAAAAAAAAAAAAAAAAAAAAAAAAAAAAAAAAAAAAAAAAn9/fwAAAAADzMzMAMDA/wB/f38AAAAAAAAAAAAAAAAAAAAAAAAAAAAhAAAAGAAAABQAAADQAgAAGycAAPAPAABZKQAAEAAAACYAAAAIAAAAAAAAAAAAAAA="/>
+                <pr:smNativeData xmlns:pr="smNativeData" val="SMDATA_13_4y+yYxMAAAAlAAAAZAAAAA8BAAAAkAAAAEgAAACQAAAASAAAAAAAAAABAAAAAAAAAAEAAABQAAAAAAAAAAAA4D8AAAAAAADgPwAAAAAAAOA/AAAAAAAA4D8AAAAAAADgPwAAAAAAAOA/AAAAAAAA4D8AAAAAAADgPwAAAAAAAOA/AAAAAAAA4D8CAAAAjAAAAAAAAAAAAAAAu+DjDP///wgAAAAAAAAAAAAAAAAAAAAAAAAAAAAAAAAAAAAAZAAAAAEAAABAAAAAAAAAAAAAAAAAAAAAAAAAAAAAAAAAAAAAAAAAAAAAAAAAAAAAAAAAAAAAAAAAAAAAAAAAAAAAAAAAAAAAAAAAAAAAAAAAAAAAAAAAAAAAAAAAAAAAFAAAADwAAAAAAAAAAAAAAAAAAAkUAAAAAQAAABQAAAAUAAAAFAAAAAEAAAAAAAAAZAAAAGQAAAAAAAAAZAAAAGQAAAAVAAAAYAAAAAAAAAAAAAAADwAAACADAAAAAAAAAAAAAAEAAACgMgAAVgcAAKr4//8BAAAAf39/AAEAAABkAAAAAAAAABQAAABAHwAAAAAAACYAAAAAAAAAwOD//wAAAAAmAAAAZAAAABYAAABMAAAAAAAAAAAAAAAEAAAAAAAAAAEAAACAgIAKAAAAACgAAAAoAAAAZAAAAGQAAAAAAAAAzMzMAAAAAABQAAAAUAAAAGQAAABkAAAAAAAAABcAAAAUAAAAAAAAAAAAAAD/fwAA/38AAAAAAAAJAAAABAAAAAAAAAAMAAAAEAAAAAAAAAAAAAAAAAAAAAAAAAAeAAAAaAAAAAAAAAAAAAAAAAAAAAAAAAAAAAAAECcAABAnAAAAAAAAAAAAAAAAAAAAAAAAAAAAAAAAAAAAAAAAAAAAABQAAAAAAAAAwMD/AAAAAABkAAAAMgAAAAAAAABkAAAAAAAAAH9/fwAKAAAAHwAAAFQAAAAAAAAFAAAAAQAAAAAAAAAAAAAAAAAAAAAAAAAAAAAAAAAAAAAAAAAAAAAAAn9/fwAAAAADzMzMAMDA/wB/f38AAAAAAAAAAAAAAAAAAAAAAAAAAAAhAAAAGAAAABQAAADQAgAAGycAAPAPAABZKQAAEAAAACYAAAAIAAAAAAAAAAAAAAA="/>
               </a:ext>
             </a:extLst>
           </p:cNvSpPr>
@@ -2682,7 +2682,7 @@
           <a:lstStyle/>
           <a:p>
             <a:pPr/>
-            <a:fld id="{06346E10-5EEB-6198-A58C-A8CD20C253FD}" type="datetime1">
+            <a:fld id="{0608CB06-48EB-5D3D-A5B0-BE6885FE53EB}" type="datetime1">
               <a:t/>
             </a:fld>
           </a:p>
@@ -2695,7 +2695,7 @@
             <a:spLocks noGrp="1" noChangeArrowheads="1"/>
             <a:extLst>
               <a:ext uri="smNativeData">
-                <pr:smNativeData xmlns:pr="smNativeData" val="SMDATA_13_5C6yYxMAAAAlAAAAZAAAAA8BAAAAkAAAAEgAAACQAAAASAAAAAAAAAABAAAAAAAAAAEAAABQAAAAAAAAAAAA4D8AAAAAAADgPwAAAAAAAOA/AAAAAAAA4D8AAAAAAADgPwAAAAAAAOA/AAAAAAAA4D8AAAAAAADgPwAAAAAAAOA/AAAAAAAA4D8CAAAAjAAAAAAAAAAAAAAAu+DjDP///wgAAAAAAAAAAAAAAAAAAAAAAAAAAAAAAAAAAAAAZAAAAAEAAABAAAAAAAAAAAAAAAAAAAAAAAAAAAAAAAAAAAAAAAAAAAAAAAAAAAAAAAAAAAAAAAAAAAAAAAAAAAAAAAAAAAAAAAAAAAAAAAAAAAAAAAAAAAAAAAAAAAAAFAAAADwAAAAAAAAAAAAAAAAAAAkUAAAAAQAAABQAAAAUAAAAFAAAAAEAAAAAAAAAZAAAAGQAAAAAAAAAZAAAAGQAAAAVAAAAYAAAAAAAAAAAAAAADwAAACADAAAAAAAAAAAAAAEAAACgMgAAVgcAAKr4//8BAAAAf39/AAEAAABkAAAAAAAAABQAAABAHwAAAAAAACYAAAAAAAAAwOD//wAAAAAmAAAAZAAAABYAAABMAAAAAAAAAAAAAAAEAAAAAAAAAAEAAACAgIAKAAAAACgAAAAoAAAAZAAAAGQAAAAAAAAAzMzMAAAAAABQAAAAUAAAAGQAAABkAAAAAAAAABcAAAAUAAAAAAAAAAAAAAD/fwAA/38AAAAAAAAJAAAABAAAAAAAAAAMAAAAEAAAAAAAAAAAAAAAAAAAAAAAAAAeAAAAaAAAAAAAAAAAAAAAAAAAAAAAAAAAAAAAECcAABAnAAAAAAAAAAAAAAAAAAAAAAAAAAAAAAAAAAAAAAAAAAAAABQAAAAAAAAAwMD/AAAAAABkAAAAMgAAAAAAAABkAAAAAAAAAH9/fwAKAAAAHwAAAFQAAAAAAAAFAAAAAQAAAAAAAAAAAAAAAAAAAAAAAAAAAAAAAAAAAAAAAAAAAAAAAn9/fwAAAAADzMzMAMDA/wB/f38AAAAAAAAAAAAAAAAAAAAAAAAAAAAhAAAAGAAAABQAAAA4EwAAGycAAAglAABZKQAAEAAAACYAAAAIAAAAAAAAAAAAAAA="/>
+                <pr:smNativeData xmlns:pr="smNativeData" val="SMDATA_13_4y+yYxMAAAAlAAAAZAAAAA8BAAAAkAAAAEgAAACQAAAASAAAAAAAAAABAAAAAAAAAAEAAABQAAAAAAAAAAAA4D8AAAAAAADgPwAAAAAAAOA/AAAAAAAA4D8AAAAAAADgPwAAAAAAAOA/AAAAAAAA4D8AAAAAAADgPwAAAAAAAOA/AAAAAAAA4D8CAAAAjAAAAAAAAAAAAAAAu+DjDP///wgAAAAAAAAAAAAAAAAAAAAAAAAAAAAAAAAAAAAAZAAAAAEAAABAAAAAAAAAAAAAAAAAAAAAAAAAAAAAAAAAAAAAAAAAAAAAAAAAAAAAAAAAAAAAAAAAAAAAAAAAAAAAAAAAAAAAAAAAAAAAAAAAAAAAAAAAAAAAAAAAAAAAFAAAADwAAAAAAAAAAAAAAAAAAAkUAAAAAQAAABQAAAAUAAAAFAAAAAEAAAAAAAAAZAAAAGQAAAAAAAAAZAAAAGQAAAAVAAAAYAAAAAAAAAAAAAAADwAAACADAAAAAAAAAAAAAAEAAACgMgAAVgcAAKr4//8BAAAAf39/AAEAAABkAAAAAAAAABQAAABAHwAAAAAAACYAAAAAAAAAwOD//wAAAAAmAAAAZAAAABYAAABMAAAAAAAAAAAAAAAEAAAAAAAAAAEAAACAgIAKAAAAACgAAAAoAAAAZAAAAGQAAAAAAAAAzMzMAAAAAABQAAAAUAAAAGQAAABkAAAAAAAAABcAAAAUAAAAAAAAAAAAAAD/fwAA/38AAAAAAAAJAAAABAAAAAAAAAAMAAAAEAAAAAAAAAAAAAAAAAAAAAAAAAAeAAAAaAAAAAAAAAAAAAAAAAAAAAAAAAAAAAAAECcAABAnAAAAAAAAAAAAAAAAAAAAAAAAAAAAAAAAAAAAAAAAAAAAABQAAAAAAAAAwMD/AAAAAABkAAAAMgAAAAAAAABkAAAAAAAAAH9/fwAKAAAAHwAAAFQAAAAAAAAFAAAAAQAAAAAAAAAAAAAAAAAAAAAAAAAAAAAAAAAAAAAAAAAAAAAAAn9/fwAAAAADzMzMAMDA/wB/f38AAAAAAAAAAAAAAAAAAAAAAAAAAAAhAAAAGAAAABQAAAA4EwAAGycAAAglAABZKQAAEAAAACYAAAAIAAAAAAAAAAAAAAA="/>
               </a:ext>
             </a:extLst>
           </p:cNvSpPr>
@@ -2719,7 +2719,7 @@
             <a:spLocks noGrp="1" noChangeArrowheads="1"/>
             <a:extLst>
               <a:ext uri="smNativeData">
-                <pr:smNativeData xmlns:pr="smNativeData" val="SMDATA_13_5C6yYxMAAAAlAAAAZAAAAA8BAAAAkAAAAEgAAACQAAAASAAAAAAAAAABAAAAAAAAAAEAAABQAAAAAAAAAAAA4D8AAAAAAADgPwAAAAAAAOA/AAAAAAAA4D8AAAAAAADgPwAAAAAAAOA/AAAAAAAA4D8AAAAAAADgPwAAAAAAAOA/AAAAAAAA4D8CAAAAjAAAAAAAAAAAAAAAu+DjDP///wgAAAAAAAAAAAAAAAAAAAAAAAAAAAAAAAAAAAAAZAAAAAEAAABAAAAAAAAAAAAAAAAAAAAAAAAAAAAAAAAAAAAAAAAAAAAAAAAAAAAAAAAAAAAAAAAAAAAAAAAAAAAAAAAAAAAAAAAAAAAAAAAAAAAAAAAAAAAAAAAAAAAAFAAAADwAAAAAAAAAAAAAAAAAAAkUAAAAAQAAABQAAAAUAAAAFAAAAAEAAAAAAAAAZAAAAGQAAAAAAAAAZAAAAGQAAAAVAAAAYAAAAAAAAAAAAAAADwAAACADAAAAAAAAAAAAAAEAAACgMgAAVgcAAKr4//8BAAAAf39/AAEAAABkAAAAAAAAABQAAABAHwAAAAAAACYAAAAAAAAAwOD//wAAAAAmAAAAZAAAABYAAABMAAAAAAAAAAAAAAAEAAAAAAAAAAEAAACAgIAKAAAAACgAAAAoAAAAZAAAAGQAAAAAAAAAzMzMAAAAAABQAAAAUAAAAGQAAABkAAAAAAAAABcAAAAUAAAAAAAAAAAAAAD/fwAA/38AAAAAAAAJAAAABAAAAAAAAAAMAAAAEAAAAAAAAAAAAAAAAAAAAAAAAAAeAAAAaAAAAAAAAAAAAAAAAAAAAAAAAAAAAAAAECcAABAnAAAAAAAAAAAAAAAAAAAAAAAAAAAAAAAAAAAAAAAAAAAAABQAAAAAAAAAwMD/AAAAAABkAAAAMgAAAAAAAABkAAAAAAAAAH9/fwAKAAAAHwAAAFQAAAAAAAAFAAAAAQAAAAAAAAAAAAAAAAAAAAAAAAAAAAAAAAAAAAAAAAAAAAAAAn9/fwAAAAADzMzMAMDA/wB/f38AAAAAAAAAAAAAAAAAAAAAAAAAAAAhAAAAGAAAABQAAABQKAAAGycAAHA1AABZKQAAEAAAACYAAAAIAAAAAAAAAAAAAAA="/>
+                <pr:smNativeData xmlns:pr="smNativeData" val="SMDATA_13_4y+yYxMAAAAlAAAAZAAAAA8BAAAAkAAAAEgAAACQAAAASAAAAAAAAAABAAAAAAAAAAEAAABQAAAAAAAAAAAA4D8AAAAAAADgPwAAAAAAAOA/AAAAAAAA4D8AAAAAAADgPwAAAAAAAOA/AAAAAAAA4D8AAAAAAADgPwAAAAAAAOA/AAAAAAAA4D8CAAAAjAAAAAAAAAAAAAAAu+DjDP///wgAAAAAAAAAAAAAAAAAAAAAAAAAAAAAAAAAAAAAZAAAAAEAAABAAAAAAAAAAAAAAAAAAAAAAAAAAAAAAAAAAAAAAAAAAAAAAAAAAAAAAAAAAAAAAAAAAAAAAAAAAAAAAAAAAAAAAAAAAAAAAAAAAAAAAAAAAAAAAAAAAAAAFAAAADwAAAAAAAAAAAAAAAAAAAkUAAAAAQAAABQAAAAUAAAAFAAAAAEAAAAAAAAAZAAAAGQAAAAAAAAAZAAAAGQAAAAVAAAAYAAAAAAAAAAAAAAADwAAACADAAAAAAAAAAAAAAEAAACgMgAAVgcAAKr4//8BAAAAf39/AAEAAABkAAAAAAAAABQAAABAHwAAAAAAACYAAAAAAAAAwOD//wAAAAAmAAAAZAAAABYAAABMAAAAAAAAAAAAAAAEAAAAAAAAAAEAAACAgIAKAAAAACgAAAAoAAAAZAAAAGQAAAAAAAAAzMzMAAAAAABQAAAAUAAAAGQAAABkAAAAAAAAABcAAAAUAAAAAAAAAAAAAAD/fwAA/38AAAAAAAAJAAAABAAAAAAAAAAMAAAAEAAAAAAAAAAAAAAAAAAAAAAAAAAeAAAAaAAAAAAAAAAAAAAAAAAAAAAAAAAAAAAAECcAABAnAAAAAAAAAAAAAAAAAAAAAAAAAAAAAAAAAAAAAAAAAAAAABQAAAAAAAAAwMD/AAAAAABkAAAAMgAAAAAAAABkAAAAAAAAAH9/fwAKAAAAHwAAAFQAAAAAAAAFAAAAAQAAAAAAAAAAAAAAAAAAAAAAAAAAAAAAAAAAAAAAAAAAAAAAAn9/fwAAAAADzMzMAMDA/wB/f38AAAAAAAAAAAAAAAAAAAAAAAAAAAAhAAAAGAAAABQAAABQKAAAGycAAHA1AABZKQAAEAAAACYAAAAIAAAAAAAAAAAAAAA="/>
               </a:ext>
             </a:extLst>
           </p:cNvSpPr>
@@ -2733,7 +2733,7 @@
           <a:lstStyle/>
           <a:p>
             <a:pPr/>
-            <a:fld id="{06346F86-C8EB-6199-A58C-3ECC21C2536B}" type="slidenum">
+            <a:fld id="{0608A1DD-93EB-5D57-A5B0-6502EFFE5330}" type="slidenum">
               <a:t/>
             </a:fld>
           </a:p>
@@ -2779,7 +2779,7 @@
             <a:spLocks noGrp="1" noChangeArrowheads="1"/>
             <a:extLst>
               <a:ext uri="smNativeData">
-                <pr:smNativeData xmlns:pr="smNativeData" val="SMDATA_13_5C6yYxMAAAAlAAAAZAAAAA8BAAAAkAAAAEgAAACQAAAASAAAAAAAAAABAAAAAAAAAAEAAABQAAAAAAAAAAAA4D8AAAAAAADgPwAAAAAAAOA/AAAAAAAA4D8AAAAAAADgPwAAAAAAAOA/AAAAAAAA4D8AAAAAAADgPwAAAAAAAOA/AAAAAAAA4D8CAAAAjAAAAAAAAAAAAAAAu+DjDP///wgAAAAAAAAAAAAAAAAAAAAAAAAAAAAAAAAAAAAAZAAAAAEAAABAAAAAAAAAAAAAAAAAAAAAAAAAAAAAAAAAAAAAAAAAAAAAAAAAAAAAAAAAAAAAAAAAAAAAAAAAAAAAAAAAAAAAAAAAAAAAAAAAAAAAAAAAAAAAAAAAAAAAFAAAADwAAAAAAAAAAAAAAAAAAAkUAAAAAQAAABQAAAAUAAAAFAAAAAEAAAAAAAAAZAAAAGQAAAAAAAAAZAAAAGQAAAAVAAAAYAAAAAAAAAAAAAAADwAAACADAAAAAAAAAAAAAAEAAACgMgAAVgcAAKr4//8BAAAAf39/AAEAAABkAAAAAAAAABQAAABAHwAAAAAAACYAAAAAAAAAwOD//wAAAAAmAAAAZAAAABYAAABMAAAAAAAAAAAAAAAEAAAAAAAAAAEAAACAgIAKAAAAACgAAAAoAAAAZAAAAGQAAAAAAAAAzMzMAAAAAABQAAAAUAAAAGQAAABkAAAAAAAAABcAAAAUAAAAAAAAAAAAAAD/fwAA/38AAAAAAAAJAAAABAAAAAAAAAAMAAAAEAAAAAAAAAAAAAAAAAAAAAAAAAAeAAAAaAAAAAAAAAAAAAAAAAAAAAAAAAAAAAAAECcAABAnAAAAAAAAAAAAAAAAAAAAAAAAAAAAAAAAAAAAAAAAAAAAABQAAAAAAAAAwMD/AAAAAABkAAAAMgAAAAAAAABkAAAAAAAAAH9/fwAKAAAAHwAAAFQAAAAAAAAFAAAAAQAAAAAAAAAAAAAAAAAAAAAAAAAAAAAAAAAAAAAAAAAAAAAAAn9/fwAAAAADzMzMAMDA/wB/f38AAAAAAAAAAAAAAAAAAAAAAAAAAAAhAAAAGAAAABQAAADQAgAAsAEAAHA1AAC4CAAAEAAAACYAAAAIAAAA//////////8="/>
+                <pr:smNativeData xmlns:pr="smNativeData" val="SMDATA_13_4y+yYxMAAAAlAAAAZAAAAA8BAAAAkAAAAEgAAACQAAAASAAAAAAAAAABAAAAAAAAAAEAAABQAAAAAAAAAAAA4D8AAAAAAADgPwAAAAAAAOA/AAAAAAAA4D8AAAAAAADgPwAAAAAAAOA/AAAAAAAA4D8AAAAAAADgPwAAAAAAAOA/AAAAAAAA4D8CAAAAjAAAAAAAAAAAAAAAu+DjDP///wgAAAAAAAAAAAAAAAAAAAAAAAAAAAAAAAAAAAAAZAAAAAEAAABAAAAAAAAAAAAAAAAAAAAAAAAAAAAAAAAAAAAAAAAAAAAAAAAAAAAAAAAAAAAAAAAAAAAAAAAAAAAAAAAAAAAAAAAAAAAAAAAAAAAAAAAAAAAAAAAAAAAAFAAAADwAAAAAAAAAAAAAAAAAAAkUAAAAAQAAABQAAAAUAAAAFAAAAAEAAAAAAAAAZAAAAGQAAAAAAAAAZAAAAGQAAAAVAAAAYAAAAAAAAAAAAAAADwAAACADAAAAAAAAAAAAAAEAAACgMgAAVgcAAKr4//8BAAAAf39/AAEAAABkAAAAAAAAABQAAABAHwAAAAAAACYAAAAAAAAAwOD//wAAAAAmAAAAZAAAABYAAABMAAAAAAAAAAAAAAAEAAAAAAAAAAEAAACAgIAKAAAAACgAAAAoAAAAZAAAAGQAAAAAAAAAzMzMAAAAAABQAAAAUAAAAGQAAABkAAAAAAAAABcAAAAUAAAAAAAAAAAAAAD/fwAA/38AAAAAAAAJAAAABAAAAAAAAAAMAAAAEAAAAAAAAAAAAAAAAAAAAAAAAAAeAAAAaAAAAAAAAAAAAAAAAAAAAAAAAAAAAAAAECcAABAnAAAAAAAAAAAAAAAAAAAAAAAAAAAAAAAAAAAAAAAAAAAAABQAAAAAAAAAwMD/AAAAAABkAAAAMgAAAAAAAABkAAAAAAAAAH9/fwAKAAAAHwAAAFQAAAAAAAAFAAAAAQAAAAAAAAAAAAAAAAAAAAAAAAAAAAAAAAAAAAAAAAAAAAAAAn9/fwAAAAADzMzMAMDA/wB/f38AAAAAAAAAAAAAAAAAAAAAAAAAAAAhAAAAGAAAABQAAADQAgAAsAEAAHA1AAC4CAAAEAAAACYAAAAIAAAA//////////8="/>
               </a:ext>
             </a:extLst>
           </p:cNvSpPr>
@@ -2823,7 +2823,7 @@
             <a:spLocks noGrp="1" noChangeArrowheads="1"/>
             <a:extLst>
               <a:ext uri="smNativeData">
-                <pr:smNativeData xmlns:pr="smNativeData" val="SMDATA_13_5C6yYxMAAAAlAAAAZAAAAA8BAAAAkAAAAEgAAACQAAAASAAAAAAAAAAAAAAAAAAAAAEAAABQAAAAAAAAAAAA4D8AAAAAAADgPwAAAAAAAOA/AAAAAAAA4D8AAAAAAADgPwAAAAAAAOA/AAAAAAAA4D8AAAAAAADgPwAAAAAAAOA/AAAAAAAA4D8CAAAAjAAAAAAAAAAAAAAAu+DjDP///wgAAAAAAAAAAAAAAAAAAAAAAAAAAAAAAAAAAAAAZAAAAAEAAABAAAAAAAAAAAAAAAAAAAAAAAAAAAAAAAAAAAAAAAAAAAAAAAAAAAAAAAAAAAAAAAAAAAAAAAAAAAAAAAAAAAAAAAAAAAAAAAAAAAAAAAAAAAAAAAAAAAAAFAAAADwAAAAAAAAAAAAAAAAAAAkUAAAAAQAAABQAAAAUAAAAFAAAAAEAAAAAAAAAZAAAAGQAAAAAAAAAZAAAAGQAAAAVAAAAYAAAAAAAAAAAAAAADwAAACADAAAAAAAAAAAAAAEAAACgMgAAVgcAAKr4//8BAAAAf39/AAEAAABkAAAAAAAAABQAAABAHwAAAAAAACYAAAAAAAAAwOD//wAAAAAmAAAAZAAAABYAAABMAAAAAAAAAAAAAAAEAAAAAAAAAAEAAACAgIAKAAAAACgAAAAoAAAAZAAAAGQAAAAAAAAAzMzMAAAAAABQAAAAUAAAAGQAAABkAAAAAAAAABcAAAAUAAAAAAAAAAAAAAD/fwAA/38AAAAAAAAJAAAABAAAAAAAAAAMAAAAEAAAAAAAAAAAAAAAAAAAAAAAAAAeAAAAaAAAAAAAAAAAAAAAAAAAAAAAAAAAAAAAECcAABAnAAAAAAAAAAAAAAAAAAAAAAAAAAAAAAAAAAAAAAAAAAAAABQAAAAAAAAAwMD/AAAAAABkAAAAMgAAAAAAAABkAAAAAAAAAH9/fwAKAAAAHwAAAFQAAAAAAAAFAAAAAQAAAAAAAAAAAAAAAAAAAAAAAAAAAAAAAAAAAAAAAAAAAAAAAn9/fwAAAAADzMzMAMDA/wB/f38AAAAAAAAAAAAAAAAAAAAAAAAAAAAhAAAAGAAAABQAAADQAgAA2AkAAHA1AACwJQAAEAAAACYAAAAIAAAA//////////8="/>
+                <pr:smNativeData xmlns:pr="smNativeData" val="SMDATA_13_4y+yYxMAAAAlAAAAZAAAAA8BAAAAkAAAAEgAAACQAAAASAAAAAAAAAAAAAAAAAAAAAEAAABQAAAAAAAAAAAA4D8AAAAAAADgPwAAAAAAAOA/AAAAAAAA4D8AAAAAAADgPwAAAAAAAOA/AAAAAAAA4D8AAAAAAADgPwAAAAAAAOA/AAAAAAAA4D8CAAAAjAAAAAAAAAAAAAAAu+DjDP///wgAAAAAAAAAAAAAAAAAAAAAAAAAAAAAAAAAAAAAZAAAAAEAAABAAAAAAAAAAAAAAAAAAAAAAAAAAAAAAAAAAAAAAAAAAAAAAAAAAAAAAAAAAAAAAAAAAAAAAAAAAAAAAAAAAAAAAAAAAAAAAAAAAAAAAAAAAAAAAAAAAAAAFAAAADwAAAAAAAAAAAAAAAAAAAkUAAAAAQAAABQAAAAUAAAAFAAAAAEAAAAAAAAAZAAAAGQAAAAAAAAAZAAAAGQAAAAVAAAAYAAAAAAAAAAAAAAADwAAACADAAAAAAAAAAAAAAEAAACgMgAAVgcAAKr4//8BAAAAf39/AAEAAABkAAAAAAAAABQAAABAHwAAAAAAACYAAAAAAAAAwOD//wAAAAAmAAAAZAAAABYAAABMAAAAAAAAAAAAAAAEAAAAAAAAAAEAAACAgIAKAAAAACgAAAAoAAAAZAAAAGQAAAAAAAAAzMzMAAAAAABQAAAAUAAAAGQAAABkAAAAAAAAABcAAAAUAAAAAAAAAAAAAAD/fwAA/38AAAAAAAAJAAAABAAAAAAAAAAMAAAAEAAAAAAAAAAAAAAAAAAAAAAAAAAeAAAAaAAAAAAAAAAAAAAAAAAAAAAAAAAAAAAAECcAABAnAAAAAAAAAAAAAAAAAAAAAAAAAAAAAAAAAAAAAAAAAAAAABQAAAAAAAAAwMD/AAAAAABkAAAAMgAAAAAAAABkAAAAAAAAAH9/fwAKAAAAHwAAAFQAAAAAAAAFAAAAAQAAAAAAAAAAAAAAAAAAAAAAAAAAAAAAAAAAAAAAAAAAAAAAAn9/fwAAAAADzMzMAMDA/wB/f38AAAAAAAAAAAAAAAAAAAAAAAAAAAAhAAAAGAAAABQAAADQAgAA2AkAAHA1AACwJQAAEAAAACYAAAAIAAAA//////////8="/>
               </a:ext>
             </a:extLst>
           </p:cNvSpPr>
@@ -2891,7 +2891,7 @@
             <a:spLocks noGrp="1" noChangeArrowheads="1"/>
             <a:extLst>
               <a:ext uri="smNativeData">
-                <pr:smNativeData xmlns:pr="smNativeData" val="SMDATA_13_5C6yYxMAAAAlAAAAZAAAAA8BAAAAkAAAAEgAAACQAAAASAAAAAAAAAABAAAAAAAAAAEAAABQAAAAAAAAAAAA4D8AAAAAAADgPwAAAAAAAOA/AAAAAAAA4D8AAAAAAADgPwAAAAAAAOA/AAAAAAAA4D8AAAAAAADgPwAAAAAAAOA/AAAAAAAA4D8CAAAAjAAAAAAAAAAAAAAAu+DjDP///wgAAAAAAAAAAAAAAAAAAAAAAAAAAAAAAAAAAAAAZAAAAAEAAABAAAAAAAAAAAAAAAAAAAAAAAAAAAAAAAAAAAAAAAAAAAAAAAAAAAAAAAAAAAAAAAAAAAAAAAAAAAAAAAAAAAAAAAAAAAAAAAAAAAAAAAAAAAAAAAAAAAAAFAAAADwAAAAAAAAAAAAAAAAAAAkUAAAAAQAAABQAAAAUAAAAFAAAAAEAAAAAAAAAZAAAAGQAAAAAAAAAZAAAAGQAAAAVAAAAYAAAAAAAAAAAAAAADwAAACADAAAAAAAAAAAAAAEAAACgMgAAVgcAAKr4//8BAAAAf39/AAEAAABkAAAAAAAAABQAAABAHwAAAAAAACYAAAAAAAAAwOD//wAAAAAmAAAAZAAAABYAAABMAAAAAAAAAAAAAAAEAAAAAAAAAAEAAACAgIAKAAAAACgAAAAoAAAAZAAAAGQAAAAAAAAAzMzMAAAAAABQAAAAUAAAAGQAAABkAAAAAAAAABcAAAAUAAAAAAAAAAAAAAD/fwAA/38AAAAAAAAJAAAABAAAAAAAAAAMAAAAEAAAAAAAAAAAAAAAAAAAAAAAAAAeAAAAaAAAAAAAAAAAAAAAAAAAAAAAAAAAAAAAECcAABAnAAAAAAAAAAAAAAAAAAAAAAAAAAAAAAAAAAAAAAAAAAAAABQAAAAAAAAAwMD/AAAAAABkAAAAMgAAAAAAAABkAAAAAAAAAH9/fwAKAAAAHwAAAFQAAAAAAAAFAAAAAQAAAAAAAAAAAAAAAAAAAAAAAAAAAAAAAAAAAAAAAAAAAAAAAn9/fwAAAAADzMzMAMDA/wB/f38AAAAAAAAAAAAAAAAAAAAAAAAAAAAhAAAAGAAAABQAAADQAgAAGycAAPAPAABZKQAAEAAAACYAAAAIAAAA//////////8="/>
+                <pr:smNativeData xmlns:pr="smNativeData" val="SMDATA_13_4y+yYxMAAAAlAAAAZAAAAA8BAAAAkAAAAEgAAACQAAAASAAAAAAAAAABAAAAAAAAAAEAAABQAAAAAAAAAAAA4D8AAAAAAADgPwAAAAAAAOA/AAAAAAAA4D8AAAAAAADgPwAAAAAAAOA/AAAAAAAA4D8AAAAAAADgPwAAAAAAAOA/AAAAAAAA4D8CAAAAjAAAAAAAAAAAAAAAu+DjDP///wgAAAAAAAAAAAAAAAAAAAAAAAAAAAAAAAAAAAAAZAAAAAEAAABAAAAAAAAAAAAAAAAAAAAAAAAAAAAAAAAAAAAAAAAAAAAAAAAAAAAAAAAAAAAAAAAAAAAAAAAAAAAAAAAAAAAAAAAAAAAAAAAAAAAAAAAAAAAAAAAAAAAAFAAAADwAAAAAAAAAAAAAAAAAAAkUAAAAAQAAABQAAAAUAAAAFAAAAAEAAAAAAAAAZAAAAGQAAAAAAAAAZAAAAGQAAAAVAAAAYAAAAAAAAAAAAAAADwAAACADAAAAAAAAAAAAAAEAAACgMgAAVgcAAKr4//8BAAAAf39/AAEAAABkAAAAAAAAABQAAABAHwAAAAAAACYAAAAAAAAAwOD//wAAAAAmAAAAZAAAABYAAABMAAAAAAAAAAAAAAAEAAAAAAAAAAEAAACAgIAKAAAAACgAAAAoAAAAZAAAAGQAAAAAAAAAzMzMAAAAAABQAAAAUAAAAGQAAABkAAAAAAAAABcAAAAUAAAAAAAAAAAAAAD/fwAA/38AAAAAAAAJAAAABAAAAAAAAAAMAAAAEAAAAAAAAAAAAAAAAAAAAAAAAAAeAAAAaAAAAAAAAAAAAAAAAAAAAAAAAAAAAAAAECcAABAnAAAAAAAAAAAAAAAAAAAAAAAAAAAAAAAAAAAAAAAAAAAAABQAAAAAAAAAwMD/AAAAAABkAAAAMgAAAAAAAABkAAAAAAAAAH9/fwAKAAAAHwAAAFQAAAAAAAAFAAAAAQAAAAAAAAAAAAAAAAAAAAAAAAAAAAAAAAAAAAAAAAAAAAAAAn9/fwAAAAADzMzMAMDA/wB/f38AAAAAAAAAAAAAAAAAAAAAAAAAAAAhAAAAGAAAABQAAADQAgAAGycAAPAPAABZKQAAEAAAACYAAAAIAAAA//////////8="/>
               </a:ext>
             </a:extLst>
           </p:cNvSpPr>
@@ -2926,7 +2926,7 @@
           </a:lstStyle>
           <a:p>
             <a:pPr/>
-            <a:fld id="{06342CF0-BEEB-61DA-A58C-488F62C2531D}" type="datetime1">
+            <a:fld id="{0608E10E-40EB-5D17-A5B0-B642AFFE53E3}" type="datetime1">
               <a:t/>
             </a:fld>
           </a:p>
@@ -2939,7 +2939,7 @@
             <a:spLocks noGrp="1" noChangeArrowheads="1"/>
             <a:extLst>
               <a:ext uri="smNativeData">
-                <pr:smNativeData xmlns:pr="smNativeData" val="SMDATA_13_5C6yYxMAAAAlAAAAZAAAAA8BAAAAkAAAAEgAAACQAAAASAAAAAAAAAABAAAAAAAAAAEAAABQAAAAAAAAAAAA4D8AAAAAAADgPwAAAAAAAOA/AAAAAAAA4D8AAAAAAADgPwAAAAAAAOA/AAAAAAAA4D8AAAAAAADgPwAAAAAAAOA/AAAAAAAA4D8CAAAAjAAAAAAAAAAAAAAAu+DjDP///wgAAAAAAAAAAAAAAAAAAAAAAAAAAAAAAAAAAAAAZAAAAAEAAABAAAAAAAAAAAAAAAAAAAAAAAAAAAAAAAAAAAAAAAAAAAAAAAAAAAAAAAAAAAAAAAAAAAAAAAAAAAAAAAAAAAAAAAAAAAAAAAAAAAAAAAAAAAAAAAAAAAAAFAAAADwAAAAAAAAAAAAAAAAAAAkUAAAAAQAAABQAAAAUAAAAFAAAAAEAAAAAAAAAZAAAAGQAAAAAAAAAZAAAAGQAAAAVAAAAYAAAAAAAAAAAAAAADwAAACADAAAAAAAAAAAAAAEAAACgMgAAVgcAAKr4//8BAAAAf39/AAEAAABkAAAAAAAAABQAAABAHwAAAAAAACYAAAAAAAAAwOD//wAAAAAmAAAAZAAAABYAAABMAAAAAAAAAAAAAAAEAAAAAAAAAAEAAACAgIAKAAAAACgAAAAoAAAAZAAAAGQAAAAAAAAAzMzMAAAAAABQAAAAUAAAAGQAAABkAAAAAAAAABcAAAAUAAAAAAAAAAAAAAD/fwAA/38AAAAAAAAJAAAABAAAAAAAAAAMAAAAEAAAAAAAAAAAAAAAAAAAAAAAAAAeAAAAaAAAAAAAAAAAAAAAAAAAAAAAAAAAAAAAECcAABAnAAAAAAAAAAAAAAAAAAAAAAAAAAAAAAAAAAAAAAAAAAAAABQAAAAAAAAAwMD/AAAAAABkAAAAMgAAAAAAAABkAAAAAAAAAH9/fwAKAAAAHwAAAFQAAAAAAAAFAAAAAQAAAAAAAAAAAAAAAAAAAAAAAAAAAAAAAAAAAAAAAAAAAAAAAn9/fwAAAAADzMzMAMDA/wB/f38AAAAAAAAAAAAAAAAAAAAAAAAAAAAhAAAAGAAAABQAAAA4EwAAGycAAAglAABZKQAAEAAAACYAAAAIAAAA//////////8="/>
+                <pr:smNativeData xmlns:pr="smNativeData" val="SMDATA_13_4y+yYxMAAAAlAAAAZAAAAA8BAAAAkAAAAEgAAACQAAAASAAAAAAAAAABAAAAAAAAAAEAAABQAAAAAAAAAAAA4D8AAAAAAADgPwAAAAAAAOA/AAAAAAAA4D8AAAAAAADgPwAAAAAAAOA/AAAAAAAA4D8AAAAAAADgPwAAAAAAAOA/AAAAAAAA4D8CAAAAjAAAAAAAAAAAAAAAu+DjDP///wgAAAAAAAAAAAAAAAAAAAAAAAAAAAAAAAAAAAAAZAAAAAEAAABAAAAAAAAAAAAAAAAAAAAAAAAAAAAAAAAAAAAAAAAAAAAAAAAAAAAAAAAAAAAAAAAAAAAAAAAAAAAAAAAAAAAAAAAAAAAAAAAAAAAAAAAAAAAAAAAAAAAAFAAAADwAAAAAAAAAAAAAAAAAAAkUAAAAAQAAABQAAAAUAAAAFAAAAAEAAAAAAAAAZAAAAGQAAAAAAAAAZAAAAGQAAAAVAAAAYAAAAAAAAAAAAAAADwAAACADAAAAAAAAAAAAAAEAAACgMgAAVgcAAKr4//8BAAAAf39/AAEAAABkAAAAAAAAABQAAABAHwAAAAAAACYAAAAAAAAAwOD//wAAAAAmAAAAZAAAABYAAABMAAAAAAAAAAAAAAAEAAAAAAAAAAEAAACAgIAKAAAAACgAAAAoAAAAZAAAAGQAAAAAAAAAzMzMAAAAAABQAAAAUAAAAGQAAABkAAAAAAAAABcAAAAUAAAAAAAAAAAAAAD/fwAA/38AAAAAAAAJAAAABAAAAAAAAAAMAAAAEAAAAAAAAAAAAAAAAAAAAAAAAAAeAAAAaAAAAAAAAAAAAAAAAAAAAAAAAAAAAAAAECcAABAnAAAAAAAAAAAAAAAAAAAAAAAAAAAAAAAAAAAAAAAAAAAAABQAAAAAAAAAwMD/AAAAAABkAAAAMgAAAAAAAABkAAAAAAAAAH9/fwAKAAAAHwAAAFQAAAAAAAAFAAAAAQAAAAAAAAAAAAAAAAAAAAAAAAAAAAAAAAAAAAAAAAAAAAAAAn9/fwAAAAADzMzMAMDA/wB/f38AAAAAAAAAAAAAAAAAAAAAAAAAAAAhAAAAGAAAABQAAAA4EwAAGycAAAglAABZKQAAEAAAACYAAAAIAAAA//////////8="/>
               </a:ext>
             </a:extLst>
           </p:cNvSpPr>
@@ -2984,7 +2984,7 @@
             <a:spLocks noGrp="1" noChangeArrowheads="1"/>
             <a:extLst>
               <a:ext uri="smNativeData">
-                <pr:smNativeData xmlns:pr="smNativeData" val="SMDATA_13_5C6yYxMAAAAlAAAAZAAAAA8BAAAAkAAAAEgAAACQAAAASAAAAAAAAAABAAAAAAAAAAEAAABQAAAAAAAAAAAA4D8AAAAAAADgPwAAAAAAAOA/AAAAAAAA4D8AAAAAAADgPwAAAAAAAOA/AAAAAAAA4D8AAAAAAADgPwAAAAAAAOA/AAAAAAAA4D8CAAAAjAAAAAAAAAAAAAAAu+DjDP///wgAAAAAAAAAAAAAAAAAAAAAAAAAAAAAAAAAAAAAZAAAAAEAAABAAAAAAAAAAAAAAAAAAAAAAAAAAAAAAAAAAAAAAAAAAAAAAAAAAAAAAAAAAAAAAAAAAAAAAAAAAAAAAAAAAAAAAAAAAAAAAAAAAAAAAAAAAAAAAAAAAAAAFAAAADwAAAAAAAAAAAAAAAAAAAkUAAAAAQAAABQAAAAUAAAAFAAAAAEAAAAAAAAAZAAAAGQAAAAAAAAAZAAAAGQAAAAVAAAAYAAAAAAAAAAAAAAADwAAACADAAAAAAAAAAAAAAEAAACgMgAAVgcAAKr4//8BAAAAf39/AAEAAABkAAAAAAAAABQAAABAHwAAAAAAACYAAAAAAAAAwOD//wAAAAAmAAAAZAAAABYAAABMAAAAAAAAAAAAAAAEAAAAAAAAAAEAAACAgIAKAAAAACgAAAAoAAAAZAAAAGQAAAAAAAAAzMzMAAAAAABQAAAAUAAAAGQAAABkAAAAAAAAABcAAAAUAAAAAAAAAAAAAAD/fwAA/38AAAAAAAAJAAAABAAAAAAAAAAMAAAAEAAAAAAAAAAAAAAAAAAAAAAAAAAeAAAAaAAAAAAAAAAAAAAAAAAAAAAAAAAAAAAAECcAABAnAAAAAAAAAAAAAAAAAAAAAAAAAAAAAAAAAAAAAAAAAAAAABQAAAAAAAAAwMD/AAAAAABkAAAAMgAAAAAAAABkAAAAAAAAAH9/fwAKAAAAHwAAAFQAAAAAAAAFAAAAAQAAAAAAAAAAAAAAAAAAAAAAAAAAAAAAAAAAAAAAAAAAAAAAAn9/fwAAAAADzMzMAMDA/wB/f38AAAAAAAAAAAAAAAAAAAAAAAAAAAAhAAAAGAAAABQAAABQKAAAGycAAHA1AABZKQAAEAAAACYAAAAIAAAA//////////8="/>
+                <pr:smNativeData xmlns:pr="smNativeData" val="SMDATA_13_4y+yYxMAAAAlAAAAZAAAAA8BAAAAkAAAAEgAAACQAAAASAAAAAAAAAABAAAAAAAAAAEAAABQAAAAAAAAAAAA4D8AAAAAAADgPwAAAAAAAOA/AAAAAAAA4D8AAAAAAADgPwAAAAAAAOA/AAAAAAAA4D8AAAAAAADgPwAAAAAAAOA/AAAAAAAA4D8CAAAAjAAAAAAAAAAAAAAAu+DjDP///wgAAAAAAAAAAAAAAAAAAAAAAAAAAAAAAAAAAAAAZAAAAAEAAABAAAAAAAAAAAAAAAAAAAAAAAAAAAAAAAAAAAAAAAAAAAAAAAAAAAAAAAAAAAAAAAAAAAAAAAAAAAAAAAAAAAAAAAAAAAAAAAAAAAAAAAAAAAAAAAAAAAAAFAAAADwAAAAAAAAAAAAAAAAAAAkUAAAAAQAAABQAAAAUAAAAFAAAAAEAAAAAAAAAZAAAAGQAAAAAAAAAZAAAAGQAAAAVAAAAYAAAAAAAAAAAAAAADwAAACADAAAAAAAAAAAAAAEAAACgMgAAVgcAAKr4//8BAAAAf39/AAEAAABkAAAAAAAAABQAAABAHwAAAAAAACYAAAAAAAAAwOD//wAAAAAmAAAAZAAAABYAAABMAAAAAAAAAAAAAAAEAAAAAAAAAAEAAACAgIAKAAAAACgAAAAoAAAAZAAAAGQAAAAAAAAAzMzMAAAAAABQAAAAUAAAAGQAAABkAAAAAAAAABcAAAAUAAAAAAAAAAAAAAD/fwAA/38AAAAAAAAJAAAABAAAAAAAAAAMAAAAEAAAAAAAAAAAAAAAAAAAAAAAAAAeAAAAaAAAAAAAAAAAAAAAAAAAAAAAAAAAAAAAECcAABAnAAAAAAAAAAAAAAAAAAAAAAAAAAAAAAAAAAAAAAAAAAAAABQAAAAAAAAAwMD/AAAAAABkAAAAMgAAAAAAAABkAAAAAAAAAH9/fwAKAAAAHwAAAFQAAAAAAAAFAAAAAQAAAAAAAAAAAAAAAAAAAAAAAAAAAAAAAAAAAAAAAAAAAAAAAn9/fwAAAAADzMzMAMDA/wB/f38AAAAAAAAAAAAAAAAAAAAAAAAAAAAhAAAAGAAAABQAAABQKAAAGycAAHA1AABZKQAAEAAAACYAAAAIAAAA//////////8="/>
               </a:ext>
             </a:extLst>
           </p:cNvSpPr>
@@ -3019,7 +3019,7 @@
           </a:lstStyle>
           <a:p>
             <a:pPr/>
-            <a:fld id="{06343187-C9EB-61C7-A58C-3F927FC2536A}" type="slidenum">
+            <a:fld id="{0608F195-DBEB-5D07-A5B0-2D52BFFE5378}" type="slidenum">
               <a:t/>
             </a:fld>
           </a:p>
@@ -3697,7 +3697,7 @@
           <p:cNvSpPr>
             <a:extLst>
               <a:ext uri="smNativeData">
-                <pr:smNativeData xmlns:pr="smNativeData" val="SMDATA_13_5C6yYxMAAAAlAAAAZAAAAA8BAAAAkAAAAEgAAACQAAAASAAAAAAAAAAAAAAAAAAAAAEAAABQAAAAAAAAAAAA4D8AAAAAAADgPwAAAAAAAOA/AAAAAAAA4D8AAAAAAADgPwAAAAAAAOA/AAAAAAAA4D8AAAAAAADgPwAAAAAAAOA/AAAAAAAA4D8CAAAAjAAAAAEAAAAAAAAAAAAACf///wgAAAAAAAAAAAAAAAAAAAAAAAAAAAAAAAAAAAAAZAAAAAEAAABAAAAAAAAAAAAAAAAAAAAAAAAAAAAAAAAAAAAAAAAAAAAAAAAAAAAAAAAAAAAAAAAAAAAAAAAAAAAAAAAAAAAAAAAAAAAAAAAAAAAAAAAAAAAAAAAAAAAAFAAAADwAAAABAAAAAAAAAAAAAAkUAAAAAQAAABQAAAAUAAAAFAAAAAEAAAAAAAAAZAAAAGQAAAAAAAAAZAAAAGQAAAAVAAAAYAAAAAAAAAAAAAAADwAAACADAAAAAAAAAAAAAAEAAACgMgAAVgcAAKr4//8BAAAAf39/AAEAAABkAAAAAAAAABQAAABAHwAAAAAAACYAAAAAAAAAwOD//wAAAAAmAAAAZAAAABYAAABMAAAAAAAAAAAAAAAEAAAAAAAAAAEAAACAgIAKAAAAACgAAAAoAAAAZAAAAGQAAAAAAAAAzMzMAAAAAABQAAAAUAAAAGQAAABkAAAAAAAAABcAAAAUAAAAAAAAAAAAAAD/fwAA/38AAAAAAAAJAAAABAAAAAAAAAAMAAAAEAAAAAAAAAAAAAAAAAAAAAAAAAAeAAAAaAAAAAAAAAAAAAAAAAAAAAAAAAAAAAAAECcAABAnAAAAAAAAAAAAAAAAAAAAAAAAAAAAAAAAAAAAAAAAAAAAABQAAAAAAAAAwMD/AAAAAABkAAAAMgAAAAAAAABkAAAAAAAAAH9/fwAKAAAAHwAAAFQAAAAAAAAC////AQAAAAAAAAAAAAAAAAAAAAAAAAAAAAAAAAAAAAAAAAAAAAAAAn9/fwCAgIADzMzMAMDA/wB/f38AAAAAAAAAAAAAAAAAAAAAAAAAAAAhAAAAGAAAABQAAABTAQAA4wAAANEqAADlDwAAEAAAACYAAAAIAAAA//////////8="/>
+                <pr:smNativeData xmlns:pr="smNativeData" val="SMDATA_13_4y+yYxMAAAAlAAAAZAAAAA8BAAAAkAAAAEgAAACQAAAASAAAAAAAAAAAAAAAAAAAAAEAAABQAAAAAAAAAAAA4D8AAAAAAADgPwAAAAAAAOA/AAAAAAAA4D8AAAAAAADgPwAAAAAAAOA/AAAAAAAA4D8AAAAAAADgPwAAAAAAAOA/AAAAAAAA4D8CAAAAjAAAAAEAAAAAAAAAAAAACf///wgAAAAAAAAAAAAAAAAAAAAAAAAAAAAAAAAAAAAAZAAAAAEAAABAAAAAAAAAAAAAAAAAAAAAAAAAAAAAAAAAAAAAAAAAAAAAAAAAAAAAAAAAAAAAAAAAAAAAAAAAAAAAAAAAAAAAAAAAAAAAAAAAAAAAAAAAAAAAAAAAAAAAFAAAADwAAAABAAAAAAAAAAAAAAkUAAAAAQAAABQAAAAUAAAAFAAAAAEAAAAAAAAAZAAAAGQAAAAAAAAAZAAAAGQAAAAVAAAAYAAAAAAAAAAAAAAADwAAACADAAAAAAAAAAAAAAEAAACgMgAAVgcAAKr4//8BAAAAf39/AAEAAABkAAAAAAAAABQAAABAHwAAAAAAACYAAAAAAAAAwOD//wAAAAAmAAAAZAAAABYAAABMAAAAAAAAAAAAAAAEAAAAAAAAAAEAAACAgIAKAAAAACgAAAAoAAAAZAAAAGQAAAAAAAAAzMzMAAAAAABQAAAAUAAAAGQAAABkAAAAAAAAABcAAAAUAAAAAAAAAAAAAAD/fwAA/38AAAAAAAAJAAAABAAAAAAAAAAMAAAAEAAAAAAAAAAAAAAAAAAAAAAAAAAeAAAAaAAAAAAAAAAAAAAAAAAAAAAAAAAAAAAAECcAABAnAAAAAAAAAAAAAAAAAAAAAAAAAAAAAAAAAAAAAAAAAAAAABQAAAAAAAAAwMD/AAAAAABkAAAAMgAAAAAAAABkAAAAAAAAAH9/fwAKAAAAHwAAAFQAAAAAAAAC////AQAAAAAAAAAAAAAAAAAAAAAAAAAAAAAAAAAAAAAAAAAAAAAAAn9/fwCAgIADzMzMAMDA/wB/f38AAAAAAAAAAAAAAAAAAAAAAAAAAAAhAAAAGAAAABQAAABTAQAA4wAAANEqAADlDwAAEAAAACYAAAAIAAAA//////////8="/>
               </a:ext>
             </a:extLst>
           </p:cNvSpPr>
@@ -3732,7 +3732,7 @@
             <a:picLocks noChangeAspect="1"/>
             <a:extLst>
               <a:ext uri="smNativeData">
-                <pr:smNativeData xmlns:pr="smNativeData" val="SMDATA_15_5C6yYxMAAAAlAAAAEQAAAC8BAAAAkAAAAEgAAACQAAAASAAAAAAAAAAAAAAAAAAAAAEAAABQAAAAAAAAAAAA4D8AAAAAAADgPwAAAAAAAOA/AAAAAAAA4D8AAAAAAADgPwAAAAAAAOA/AAAAAAAA4D8AAAAAAADgPwAAAAAAAOA/AAAAAAAA4D8CAAAAjAAAAAAAAAAAAAAAu+DjDP///wgAAAAAAAAAAAAAAAAAAAAAAAAAAAAAAAAAAAAAZAAAAAEAAABAAAAAAAAAAAAAAAAAAAAAAAAAAAAAAAAAAAAAAAAAAAAAAAAAAAAAAAAAAAAAAAAAAAAAAAAAAAAAAAAAAAAAAAAAAAAAAAAAAAAAAAAAAAAAAAAAAAAAFAAAADwAAAAAAAAAAAAAAAAAAAkUAAAAAQAAABQAAAAUAAAAFAAAAAEAAAAAAAAAZAAAAGQAAAAAAAAAZAAAAGQAAAAVAAAAYAAAAAAAAAAAAAAADwAAACADAAAAAAAAAAAAAAEAAACgMgAAVgcAAKr4//8BAAAAf39/AAEAAABkAAAAAAAAABQAAABAHwAAAAAAACYAAAAAAAAAwOD//wAAAAAmAAAAZAAAABYAAABMAAAAAAAAAAAAAAAEAAAAAAAAAAEAAACAgIAKAAAAACgAAAAoAAAAZAAAAGQAAAAAAAAAzMzMAAAAAABQAAAAUAAAAGQAAABkAAAAAAAAAAcAAAA4AAAAAAAAAAAAAAAAAAAA////AAAAAAAAAAAAAAAAAAAAAAAAAAAAAAAAAAAAAABkAAAAZAAAAAAAAAAjAAAABAAAAGQAAAAXAAAAFAAAAAAAAAAAAAAA/38AAP9/AAAAAAAACQAAAAQAAAAAAAAADAAAABAAAAAAAAAAAAAAAAAAAAAAAAAAHgAAAGgAAAAAAAAAAAAAAAAAAAAAAAAAAAAAABAnAAAQJwAAAAAAAAAAAAAAAAAAAAAAAAAAAAAAAAAAAAAAAAAAAAAUAAAAAAAAAMDA/wAAAAAAZAAAADIAAAAAAAAAZAAAAAAAAAB/f38ACgAAAB8AAABUAAAAu+DjBf///wEAAAAAAAAAAAAAAAAAAAAAAAAAAAAAAAAAAAAAAAAAAAAAAAJ/f38AgICAA8zMzADAwP8Af39/AAAAAAAAAAAAAAAAAP///wAAAAAAIQAAABgAAAAUAAAA3gsAAFUBAAAsIAAA5w4AABAAAAAmAAAACAAAAP//////////"/>
+                <pr:smNativeData xmlns:pr="smNativeData" val="SMDATA_15_4y+yYxMAAAAlAAAAEQAAAC8BAAAAkAAAAEgAAACQAAAASAAAAAAAAAAAAAAAAAAAAAEAAABQAAAAAAAAAAAA4D8AAAAAAADgPwAAAAAAAOA/AAAAAAAA4D8AAAAAAADgPwAAAAAAAOA/AAAAAAAA4D8AAAAAAADgPwAAAAAAAOA/AAAAAAAA4D8CAAAAjAAAAAAAAAAAAAAAu+DjDP///wgAAAAAAAAAAAAAAAAAAAAAAAAAAAAAAAAAAAAAZAAAAAEAAABAAAAAAAAAAAAAAAAAAAAAAAAAAAAAAAAAAAAAAAAAAAAAAAAAAAAAAAAAAAAAAAAAAAAAAAAAAAAAAAAAAAAAAAAAAAAAAAAAAAAAAAAAAAAAAAAAAAAAFAAAADwAAAAAAAAAAAAAAAAAAAkUAAAAAQAAABQAAAAUAAAAFAAAAAEAAAAAAAAAZAAAAGQAAAAAAAAAZAAAAGQAAAAVAAAAYAAAAAAAAAAAAAAADwAAACADAAAAAAAAAAAAAAEAAACgMgAAVgcAAKr4//8BAAAAf39/AAEAAABkAAAAAAAAABQAAABAHwAAAAAAACYAAAAAAAAAwOD//wAAAAAmAAAAZAAAABYAAABMAAAAAAAAAAAAAAAEAAAAAAAAAAEAAACAgIAKAAAAACgAAAAoAAAAZAAAAGQAAAAAAAAAzMzMAAAAAABQAAAAUAAAAGQAAABkAAAAAAAAAAcAAAA4AAAAAAAAAAAAAAAAAAAA////AAAAAAAAAAAAAAAAAAAAAAAAAAAAAAAAAAAAAABkAAAAZAAAAAAAAAAjAAAABAAAAGQAAAAXAAAAFAAAAAAAAAAAAAAA/38AAP9/AAAAAAAACQAAAAQAAAAAAAAADAAAABAAAAAAAAAAAAAAAAAAAAAAAAAAHgAAAGgAAAAAAAAAAAAAAAAAAAAAAAAAAAAAABAnAAAQJwAAAAAAAAAAAAAAAAAAAAAAAAAAAAAAAAAAAAAAAAAAAAAUAAAAAAAAAMDA/wAAAAAAZAAAADIAAAAAAAAAZAAAAAAAAAB/f38ACgAAAB8AAABUAAAAu+DjBf///wEAAAAAAAAAAAAAAAAAAAAAAAAAAAAAAAAAAAAAAAAAAAAAAAJ/f38AgICAA8zMzADAwP8Af39/AAAAAAAAAAAAAAAAAP///wAAAAAAIQAAABgAAAAUAAAA3gsAAFUBAAAsIAAA5w4AABAAAAAmAAAACAAAAP//////////"/>
               </a:ext>
             </a:extLst>
           </p:cNvPicPr>
@@ -3766,7 +3766,7 @@
             <a:picLocks noChangeAspect="1"/>
             <a:extLst>
               <a:ext uri="smNativeData">
-                <pr:smNativeData xmlns:pr="smNativeData" val="SMDATA_15_5C6yYxMAAAAlAAAAEQAAAC8BAAAAkAAAAEgAAACQAAAASAAAAAAAAAAAAAAAAAAAAAEAAABQAAAAAAAAAAAA4D8AAAAAAADgPwAAAAAAAOA/AAAAAAAA4D8AAAAAAADgPwAAAAAAAOA/AAAAAAAA4D8AAAAAAADgPwAAAAAAAOA/AAAAAAAA4D8CAAAAjAAAAAAAAAAAAAAAu+DjDP///wgAAAAAAAAAAAAAAAAAAAAAAAAAAAAAAAAAAAAAZAAAAAEAAABAAAAAAAAAAAAAAAAAAAAAAAAAAAAAAAAAAAAAAAAAAAAAAAAAAAAAAAAAAAAAAAAAAAAAAAAAAAAAAAAAAAAAAAAAAAAAAAAAAAAAAAAAAAAAAAAAAAAAFAAAADwAAAABAAAAAAAAAAAAAAsUAAAAAQAAABQAAAAUAAAAFAAAAAEAAAAAAAAAZAAAAGQAAAAAAAAAZAAAAGQAAAAVAAAAYAAAAAAAAAAAAAAADwAAACADAAAAAAAAAAAAAAEAAACgMgAAAAAAAAAAAAABAAAAf39/AAEAAABkAAAAAAAAABQAAABAHwAAAAAAACYAAAAAAAAAwOD//wAAAAAmAAAAZAAAABYAAABMAAAAAAAAAAAAAAAEAAAAAAAAAAEAAACAgIAKAAAAACgAAAAoAAAAZAAAAGQAAAAAAAAAzMzMAAAAAABQAAAAUAAAAGQAAABkAAAAAAAAAAcAAAA4AAAAAAAAAAAAAAAAAAAA////AAAAAAAAAAAAAAAAAAAAAAAAAAAAAAAAAAAAAABkAAAAZAAAAAAAAAAjAAAABAAAAGQAAAAXAAAAFAAAAAAAAAAAAAAA/38AAP9/AAAAAAAACQAAAAQAAAAAAAAADAAAABAAAAAAAAAAAAAAAAAAAAAAAAAAHgAAAGgAAAAAAAAAAAAAAAAAAAAAAAAAAAAAABAnAAAQJwAAAAAAAAAAAAAAAAAAAAAAAAAAAAAAAAAAAAAAAAAAAAAUAAAAAAAAAMDA/wAAAAAAZAAAADIAAAAAAAAAZAAAAAAAAAB/f38ACgAAAB8AAABUAAAAu+DjBf///wEAAAAAAAAAAAAAAAAAAAAAAAAAAAAAAAAAAAAAAAAAAAAAAAR/f38AgICAA8zMzADAwP8Af39/AAAAAAAAAAAAAAAAAP///wAAAAAAIQAAABgAAAAUAAAAbQEAADkBAAB6CwAANA8AABAAAAAmAAAACAAAAP//////////"/>
+                <pr:smNativeData xmlns:pr="smNativeData" val="SMDATA_15_4y+yYxMAAAAlAAAAEQAAAC8BAAAAkAAAAEgAAACQAAAASAAAAAAAAAAAAAAAAAAAAAEAAABQAAAAAAAAAAAA4D8AAAAAAADgPwAAAAAAAOA/AAAAAAAA4D8AAAAAAADgPwAAAAAAAOA/AAAAAAAA4D8AAAAAAADgPwAAAAAAAOA/AAAAAAAA4D8CAAAAjAAAAAAAAAAAAAAAu+DjDP///wgAAAAAAAAAAAAAAAAAAAAAAAAAAAAAAAAAAAAAZAAAAAEAAABAAAAAAAAAAAAAAAAAAAAAAAAAAAAAAAAAAAAAAAAAAAAAAAAAAAAAAAAAAAAAAAAAAAAAAAAAAAAAAAAAAAAAAAAAAAAAAAAAAAAAAAAAAAAAAAAAAAAAFAAAADwAAAABAAAAAAAAAAAAAAsUAAAAAQAAABQAAAAUAAAAFAAAAAEAAAAAAAAAZAAAAGQAAAAAAAAAZAAAAGQAAAAVAAAAYAAAAAAAAAAAAAAADwAAACADAAAAAAAAAAAAAAEAAACgMgAAAAAAAAAAAAABAAAAf39/AAEAAABkAAAAAAAAABQAAABAHwAAAAAAACYAAAAAAAAAwOD//wAAAAAmAAAAZAAAABYAAABMAAAAAAAAAAAAAAAEAAAAAAAAAAEAAACAgIAKAAAAACgAAAAoAAAAZAAAAGQAAAAAAAAAzMzMAAAAAABQAAAAUAAAAGQAAABkAAAAAAAAAAcAAAA4AAAAAAAAAAAAAAAAAAAA////AAAAAAAAAAAAAAAAAAAAAAAAAAAAAAAAAAAAAABkAAAAZAAAAAAAAAAjAAAABAAAAGQAAAAXAAAAFAAAAAAAAAAAAAAA/38AAP9/AAAAAAAACQAAAAQAAAAAAAAADAAAABAAAAAAAAAAAAAAAAAAAAAAAAAAHgAAAGgAAAAAAAAAAAAAAAAAAAAAAAAAAAAAABAnAAAQJwAAAAAAAAAAAAAAAAAAAAAAAAAAAAAAAAAAAAAAAAAAAAAUAAAAAAAAAMDA/wAAAAAAZAAAADIAAAAAAAAAZAAAAAAAAAB/f38ACgAAAB8AAABUAAAAu+DjBf///wEAAAAAAAAAAAAAAAAAAAAAAAAAAAAAAAAAAAAAAAAAAAAAAAR/f38AgICAA8zMzADAwP8Af39/AAAAAAAAAAAAAAAAAP///wAAAAAAIQAAABgAAAAUAAAAbQEAADkBAAB6CwAANA8AABAAAAAmAAAACAAAAP//////////"/>
               </a:ext>
             </a:extLst>
           </p:cNvPicPr>
@@ -3805,7 +3805,7 @@
             <a:picLocks noChangeAspect="1"/>
             <a:extLst>
               <a:ext uri="smNativeData">
-                <pr:smNativeData xmlns:pr="smNativeData" val="SMDATA_15_5C6yYxMAAAAlAAAAEQAAAC8BAAAAkAAAAEgAAACQAAAASAAAAAAAAAAAAAAAAAAAAAEAAABQAAAAAAAAAAAA4D8AAAAAAADgPwAAAAAAAOA/AAAAAAAA4D8AAAAAAADgPwAAAAAAAOA/AAAAAAAA4D8AAAAAAADgPwAAAAAAAOA/AAAAAAAA4D8CAAAAjAAAAAAAAAAAAAAAu+DjDP///wgAAAAAAAAAAAAAAAAAAAAAAAAAAAAAAAAAAAAAZAAAAAEAAABAAAAAAAAAAAAAAAAAAAAAAAAAAAAAAAAAAAAAAAAAAAAAAAAAAAAAAAAAAAAAAAAAAAAAAAAAAAAAAAAAAAAAAAAAAAAAAAAAAAAAAAAAAAAAAAAAAAAAFAAAADwAAAAAAAAAAAAAAAAAAAkUAAAAAQAAABQAAAAUAAAAFAAAAAEAAAAAAAAAZAAAAGQAAAAAAAAAZAAAAGQAAAAVAAAAYAAAAAAAAAAAAAAADwAAACADAAAAAAAAAAAAAAEAAACgMgAAVgcAAKr4//8BAAAAf39/AAEAAABkAAAAAAAAABQAAABAHwAAAAAAACYAAAAAAAAAwOD//wAAAAAmAAAAZAAAABYAAABMAAAAAAAAAAAAAAAEAAAAAAAAAAEAAACAgIAKAAAAACgAAAAoAAAAZAAAAGQAAAAAAAAAzMzMAAAAAABQAAAAUAAAAGQAAABkAAAAAAAAAAcAAAA4AAAAAAAAAAAAAAAAAAAA////AAAAAAAAAAAAAAAAAAAAAAAAAAAAAAAAAAAAAABkAAAAZAAAAAAAAAAjAAAABAAAAGQAAAAXAAAAFAAAAAAAAAAAAAAA/38AAP9/AAAAAAAACQAAAAQAAACcxxIMDAAAABAAAAAAAAAAAAAAAAAAAAAAAAAAHgAAAGgAAAAAAAAAAAAAAAAAAAAAAAAAAAAAABAnAAAQJwAAAAAAAAAAAAAAAAAAAAAAAAAAAAAAAAAAAAAAAAAAAAAUAAAAAAAAAMDA/wAAAAAAZAAAADIAAAAAAAAAZAAAAAAAAAB/f38ACgAAAB8AAABUAAAAu+DjBf///wEAAAAAAAAAAAAAAAAAAAAAAAAAAAAAAAAAAAAAAAAAAAAAAAJ/f38AgICAA8zMzADAwP8Af39/AAAAAAAAAAAAAAAAAP///wAAAAAAIQAAABgAAAAUAAAAOSAAAAYBAABtKgAA0A4AABAAAAAmAAAACAAAAP//////////"/>
+                <pr:smNativeData xmlns:pr="smNativeData" val="SMDATA_15_4y+yYxMAAAAlAAAAEQAAAC8BAAAAkAAAAEgAAACQAAAASAAAAAAAAAAAAAAAAAAAAAEAAABQAAAAAAAAAAAA4D8AAAAAAADgPwAAAAAAAOA/AAAAAAAA4D8AAAAAAADgPwAAAAAAAOA/AAAAAAAA4D8AAAAAAADgPwAAAAAAAOA/AAAAAAAA4D8CAAAAjAAAAAAAAAAAAAAAu+DjDP///wgAAAAAAAAAAAAAAAAAAAAAAAAAAAAAAAAAAAAAZAAAAAEAAABAAAAAAAAAAAAAAAAAAAAAAAAAAAAAAAAAAAAAAAAAAAAAAAAAAAAAAAAAAAAAAAAAAAAAAAAAAAAAAAAAAAAAAAAAAAAAAAAAAAAAAAAAAAAAAAAAAAAAFAAAADwAAAAAAAAAAAAAAAAAAAkUAAAAAQAAABQAAAAUAAAAFAAAAAEAAAAAAAAAZAAAAGQAAAAAAAAAZAAAAGQAAAAVAAAAYAAAAAAAAAAAAAAADwAAACADAAAAAAAAAAAAAAEAAACgMgAAVgcAAKr4//8BAAAAf39/AAEAAABkAAAAAAAAABQAAABAHwAAAAAAACYAAAAAAAAAwOD//wAAAAAmAAAAZAAAABYAAABMAAAAAAAAAAAAAAAEAAAAAAAAAAEAAACAgIAKAAAAACgAAAAoAAAAZAAAAGQAAAAAAAAAzMzMAAAAAABQAAAAUAAAAGQAAABkAAAAAAAAAAcAAAA4AAAAAAAAAAAAAAAAAAAA////AAAAAAAAAAAAAAAAAAAAAAAAAAAAAAAAAAAAAABkAAAAZAAAAAAAAAAjAAAABAAAAGQAAAAXAAAAFAAAAAAAAAAAAAAA/38AAP9/AAAAAAAACQAAAAQAAACcxxIMDAAAABAAAAAAAAAAAAAAAAAAAAAAAAAAHgAAAGgAAAAAAAAAAAAAAAAAAAAAAAAAAAAAABAnAAAQJwAAAAAAAAAAAAAAAAAAAAAAAAAAAAAAAAAAAAAAAAAAAAAUAAAAAAAAAMDA/wAAAAAAZAAAADIAAAAAAAAAZAAAAAAAAAB/f38ACgAAAB8AAABUAAAAu+DjBf///wEAAAAAAAAAAAAAAAAAAAAAAAAAAAAAAAAAAAAAAAAAAAAAAAJ/f38AgICAA8zMzADAwP8Af39/AAAAAAAAAAAAAAAAAP///wAAAAAAIQAAABgAAAAUAAAAOSAAAAYBAABtKgAA0A4AABAAAAAmAAAACAAAAP//////////"/>
               </a:ext>
             </a:extLst>
           </p:cNvPicPr>
@@ -3871,7 +3871,7 @@
             <a:picLocks noChangeAspect="1"/>
             <a:extLst>
               <a:ext uri="smNativeData">
-                <pr:smNativeData xmlns:pr="smNativeData" val="SMDATA_15_5C6yYxMAAAAlAAAAEQAAAC8BAAAAkAAAAEgAAACQAAAASAAAAAAAAAAAAAAAAAAAAAEAAABQAAAAAAAAAAAA4D8AAAAAAADgPwAAAAAAAOA/AAAAAAAA4D8AAAAAAADgPwAAAAAAAOA/AAAAAAAA4D8AAAAAAADgPwAAAAAAAOA/AAAAAAAA4D8CAAAAjAAAAAAAAAAAAAAAu+DjDP///wgAAAAAAAAAAAAAAAAAAAAAAAAAAAAAAAAAAAAAZAAAAAEAAABAAAAAAAAAAAAAAAAAAAAAAAAAAAAAAAAAAAAAAAAAAAAAAAAAAAAAAAAAAAAAAAAAAAAAAAAAAAAAAAAAAAAAAAAAAAAAAAAAAAAAAAAAAAAAAAAAAAAAFAAAADwAAAAAAAAAAAAAAAAAAAkUAAAAAQAAABQAAAAUAAAAFAAAAAEAAAAAAAAAZAAAAGQAAAAAAAAAZAAAAGQAAAAVAAAAYAAAAAAAAAAAAAAADwAAACADAAAAAAAAAAAAAAEAAACgMgAAVgcAAKr4//8BAAAAf39/AAEAAABkAAAAAAAAABQAAABAHwAAAAAAACYAAAAAAAAAwOD//wAAAAAmAAAAZAAAABYAAABMAAAAAAAAAAAAAAAEAAAAAAAAAAEAAACAgIAKAAAAACgAAAAoAAAAZAAAAGQAAAAAAAAAzMzMAAAAAABQAAAAUAAAAGQAAABkAAAAAAAAAAcAAAA4AAAAAAAAAAAAAAAAAAAA////AAAAAAAAAAAAAAAAAAAAAAAAAAAAAAAAAAAAAABkAAAAZAAAAAAAAAAjAAAABAAAAGQAAAAXAAAAFAAAAAAAAAAAAAAA/38AAP9/AAAAAAAACQAAAAQAAAD/////DAAAABAAAAAAAAAAAAAAAAAAAAAAAAAAHgAAAGgAAAAAAAAAAAAAAAAAAAAAAAAAAAAAABAnAAAQJwAAAAAAAAAAAAAAAAAAAAAAAAAAAAAAAAAAAAAAAAAAAAAUAAAAAAAAAMDA/wAAAAAAZAAAADIAAAAAAAAAZAAAAAAAAAB/f38ACgAAAB8AAABUAAAAu+DjBf///wEAAAAAAAAAAAAAAAAAAAAAAAAAAAAAAAAAAAAAAAAAAAAAAAJ/f38AgICAA8zMzADAwP8Af39/AAAAAAAAAAAAAAAAAP///wAAAAAAIQAAABgAAAAUAAAAKg0AAAIPAABHGAAAUxkAABAAAAAmAAAACAAAAP//////////"/>
+                <pr:smNativeData xmlns:pr="smNativeData" val="SMDATA_15_4y+yYxMAAAAlAAAAEQAAAC8BAAAAkAAAAEgAAACQAAAASAAAAAAAAAAAAAAAAAAAAAEAAABQAAAAAAAAAAAA4D8AAAAAAADgPwAAAAAAAOA/AAAAAAAA4D8AAAAAAADgPwAAAAAAAOA/AAAAAAAA4D8AAAAAAADgPwAAAAAAAOA/AAAAAAAA4D8CAAAAjAAAAAAAAAAAAAAAu+DjDP///wgAAAAAAAAAAAAAAAAAAAAAAAAAAAAAAAAAAAAAZAAAAAEAAABAAAAAAAAAAAAAAAAAAAAAAAAAAAAAAAAAAAAAAAAAAAAAAAAAAAAAAAAAAAAAAAAAAAAAAAAAAAAAAAAAAAAAAAAAAAAAAAAAAAAAAAAAAAAAAAAAAAAAFAAAADwAAAAAAAAAAAAAAAAAAAkUAAAAAQAAABQAAAAUAAAAFAAAAAEAAAAAAAAAZAAAAGQAAAAAAAAAZAAAAGQAAAAVAAAAYAAAAAAAAAAAAAAADwAAACADAAAAAAAAAAAAAAEAAACgMgAAVgcAAKr4//8BAAAAf39/AAEAAABkAAAAAAAAABQAAABAHwAAAAAAACYAAAAAAAAAwOD//wAAAAAmAAAAZAAAABYAAABMAAAAAAAAAAAAAAAEAAAAAAAAAAEAAACAgIAKAAAAACgAAAAoAAAAZAAAAGQAAAAAAAAAzMzMAAAAAABQAAAAUAAAAGQAAABkAAAAAAAAAAcAAAA4AAAAAAAAAAAAAAAAAAAA////AAAAAAAAAAAAAAAAAAAAAAAAAAAAAAAAAAAAAABkAAAAZAAAAAAAAAAjAAAABAAAAGQAAAAXAAAAFAAAAAAAAAAAAAAA/38AAP9/AAAAAAAACQAAAAQAAAD/////DAAAABAAAAAAAAAAAAAAAAAAAAAAAAAAHgAAAGgAAAAAAAAAAAAAAAAAAAAAAAAAAAAAABAnAAAQJwAAAAAAAAAAAAAAAAAAAAAAAAAAAAAAAAAAAAAAAAAAAAAUAAAAAAAAAMDA/wAAAAAAZAAAADIAAAAAAAAAZAAAAAAAAAB/f38ACgAAAB8AAABUAAAAu+DjBf///wEAAAAAAAAAAAAAAAAAAAAAAAAAAAAAAAAAAAAAAAAAAAAAAAJ/f38AgICAA8zMzADAwP8Af39/AAAAAAAAAAAAAAAAAP///wAAAAAAIQAAABgAAAAUAAAAKg0AAAIPAABHGAAAUxkAABAAAAAmAAAACAAAAP//////////"/>
               </a:ext>
             </a:extLst>
           </p:cNvPicPr>
@@ -3905,7 +3905,7 @@
             <a:picLocks noChangeAspect="1"/>
             <a:extLst>
               <a:ext uri="smNativeData">
-                <pr:smNativeData xmlns:pr="smNativeData" val="SMDATA_15_5C6yYxMAAAAlAAAAEQAAAC8BAAAAkAAAAEgAAACQAAAASAAAAAAAAAAAAAAAAAAAAAEAAABQAAAAAAAAAAAA4D8AAAAAAADgPwAAAAAAAOA/AAAAAAAA4D8AAAAAAADgPwAAAAAAAOA/AAAAAAAA4D8AAAAAAADgPwAAAAAAAOA/AAAAAAAA4D8CAAAAjAAAAAAAAAAAAAAAu+DjDP///wgAAAAAAAAAAAAAAAAAAAAAAAAAAAAAAAAAAAAAZAAAAAEAAABAAAAAAAAAAAAAAAAAAAAAAAAAAAAAAAAAAAAAAAAAAAAAAAAAAAAAAAAAAAAAAAAAAAAAAAAAAAAAAAAAAAAAAAAAAAAAAAAAAAAAAAAAAAAAAAAAAAAAFAAAADwAAAAAAAAAAAAAAAAAAAkUAAAAAQAAABQAAAAUAAAAFAAAAAEAAAAAAAAAZAAAAGQAAAAAAAAAZAAAAGQAAAAVAAAAYAAAAAAAAAAAAAAADwAAACADAAAAAAAAAAAAAAEAAACgMgAAVgcAAKr4//8BAAAAf39/AAEAAABkAAAAAAAAABQAAABAHwAAAAAAACYAAAAAAAAAwOD//wAAAAAmAAAAZAAAABYAAABMAAAAAAAAAAAAAAAEAAAAAAAAAAEAAACAgIAKAAAAACgAAAAoAAAAZAAAAGQAAAAAAAAAzMzMAAAAAABQAAAAUAAAAGQAAABkAAAAAAAAAAcAAAA4AAAAAAAAAAAAAAAAAAAA////AAAAAAAAAAAAAAAAAAAAAAAAAAAAAAAAAAAAAABkAAAAZAAAAAAAAAAjAAAABAAAAGQAAAAXAAAAFAAAAAAAAAAAAAAA/38AAP9/AAAAAAAACQAAAAQAAAC6AgAADAAAABAAAAAAAAAAAAAAAAAAAAAAAAAAHgAAAGgAAAAAAAAAAAAAAAAAAAAAAAAAAAAAABAnAAAQJwAAAAAAAAAAAAAAAAAAAAAAAAAAAAAAAAAAAAAAAAAAAAAUAAAAAAAAAMDA/wAAAAAAZAAAADIAAAAAAAAAZAAAAAAAAAB/f38ACgAAAB8AAABUAAAAu+DjBf///wEAAAAAAAAAAAAAAAAAAAAAAAAAAAAAAAAAAAAAAAAAAAAAAAJ/f38AgICAA8zMzADAwP8Af39/AAAAAAAAAAAAAAAAAP///wAAAAAAIQAAABgAAAAUAAAAVRgAAAIPAAAEIwAAKRkAABAAAAAmAAAACAAAAP//////////"/>
+                <pr:smNativeData xmlns:pr="smNativeData" val="SMDATA_15_4y+yYxMAAAAlAAAAEQAAAC8BAAAAkAAAAEgAAACQAAAASAAAAAAAAAAAAAAAAAAAAAEAAABQAAAAAAAAAAAA4D8AAAAAAADgPwAAAAAAAOA/AAAAAAAA4D8AAAAAAADgPwAAAAAAAOA/AAAAAAAA4D8AAAAAAADgPwAAAAAAAOA/AAAAAAAA4D8CAAAAjAAAAAAAAAAAAAAAu+DjDP///wgAAAAAAAAAAAAAAAAAAAAAAAAAAAAAAAAAAAAAZAAAAAEAAABAAAAAAAAAAAAAAAAAAAAAAAAAAAAAAAAAAAAAAAAAAAAAAAAAAAAAAAAAAAAAAAAAAAAAAAAAAAAAAAAAAAAAAAAAAAAAAAAAAAAAAAAAAAAAAAAAAAAAFAAAADwAAAAAAAAAAAAAAAAAAAkUAAAAAQAAABQAAAAUAAAAFAAAAAEAAAAAAAAAZAAAAGQAAAAAAAAAZAAAAGQAAAAVAAAAYAAAAAAAAAAAAAAADwAAACADAAAAAAAAAAAAAAEAAACgMgAAVgcAAKr4//8BAAAAf39/AAEAAABkAAAAAAAAABQAAABAHwAAAAAAACYAAAAAAAAAwOD//wAAAAAmAAAAZAAAABYAAABMAAAAAAAAAAAAAAAEAAAAAAAAAAEAAACAgIAKAAAAACgAAAAoAAAAZAAAAGQAAAAAAAAAzMzMAAAAAABQAAAAUAAAAGQAAABkAAAAAAAAAAcAAAA4AAAAAAAAAAAAAAAAAAAA////AAAAAAAAAAAAAAAAAAAAAAAAAAAAAAAAAAAAAABkAAAAZAAAAAAAAAAjAAAABAAAAGQAAAAXAAAAFAAAAAAAAAAAAAAA/38AAP9/AAAAAAAACQAAAAQAAAC6AgAADAAAABAAAAAAAAAAAAAAAAAAAAAAAAAAHgAAAGgAAAAAAAAAAAAAAAAAAAAAAAAAAAAAABAnAAAQJwAAAAAAAAAAAAAAAAAAAAAAAAAAAAAAAAAAAAAAAAAAAAAUAAAAAAAAAMDA/wAAAAAAZAAAADIAAAAAAAAAZAAAAAAAAAB/f38ACgAAAB8AAABUAAAAu+DjBf///wEAAAAAAAAAAAAAAAAAAAAAAAAAAAAAAAAAAAAAAAAAAAAAAAJ/f38AgICAA8zMzADAwP8Af39/AAAAAAAAAAAAAAAAAP///wAAAAAAIQAAABgAAAAUAAAAVRgAAAIPAAAEIwAAKRkAABAAAAAmAAAACAAAAP//////////"/>
               </a:ext>
             </a:extLst>
           </p:cNvPicPr>
@@ -3939,7 +3939,7 @@
             <a:picLocks noChangeAspect="1"/>
             <a:extLst>
               <a:ext uri="smNativeData">
-                <pr:smNativeData xmlns:pr="smNativeData" val="SMDATA_15_5C6yYxMAAAAlAAAAEQAAAC8BAAAAkAAAAEgAAACQAAAASAAAAAAAAAAAAAAAAAAAAAEAAABQAAAAAAAAAAAA4D8AAAAAAADgPwAAAAAAAOA/AAAAAAAA4D8AAAAAAADgPwAAAAAAAOA/AAAAAAAA4D8AAAAAAADgPwAAAAAAAOA/AAAAAAAA4D8CAAAAjAAAAAAAAAAAAAAAu+DjDP///wgAAAAAAAAAAAAAAAAAAAAAAAAAAAAAAAAAAAAAZAAAAAEAAABAAAAAAAAAAAAAAAAAAAAAAAAAAAAAAAAAAAAAAAAAAAAAAAAAAAAAAAAAAAAAAAAAAAAAAAAAAAAAAAAAAAAAAAAAAAAAAAAAAAAAAAAAAAAAAAAAAAAAFAAAADwAAAAAAAAAAAAAAAAAAAkUAAAAAQAAABQAAAAUAAAAFAAAAAEAAAAAAAAAZAAAAGQAAAAAAAAAZAAAAGQAAAAVAAAAYAAAAAAAAAAAAAAADwAAACADAAAAAAAAAAAAAAEAAACgMgAAVgcAAKr4//8BAAAAf39/AAEAAABkAAAAAAAAABQAAABAHwAAAAAAACYAAAAAAAAAwOD//wAAAAAmAAAAZAAAABYAAABMAAAAAAAAAAAAAAAEAAAAAAAAAAEAAACAgIAKAAAAACgAAAAoAAAAZAAAAGQAAAAAAAAAzMzMAAAAAABQAAAAUAAAAGQAAABkAAAAAAAAAAcAAAA4AAAAAAAAAAAAAAAAAAAA////AAAAAAAAAAAAAAAAAAAAAAAAAAAAAAAAAAAAAABkAAAAZAAAAAAAAAAjAAAABAAAAGQAAAAXAAAAFAAAAAAAAAAAAAAA/38AAP9/AAAAAAAACQAAAAQAAAAAAAAADAAAABAAAAAAAAAAAAAAAAAAAAAAAAAAHgAAAGgAAAAAAAAAAAAAAAAAAAAAAAAAAAAAABAnAAAQJwAAAAAAAAAAAAAAAAAAAAAAAAAAAAAAAAAAAAAAAAAAAAAUAAAAAAAAAMDA/wAAAAAAZAAAADIAAAAAAAAAZAAAAAAAAAB/f38ACgAAAB8AAABUAAAAu+DjBf///wEAAAAAAAAAAAAAAAAAAAAAAAAAAAAAAAAAAAAAAAAAAAAAAAJ/f38AgICAA8zMzADAwP8Af39/AAAAAAAAAAAAAAAAAP///wAAAAAAIQAAABgAAAAUAAAAUwEAAAIPAADODAAAKRkAABAAAAAmAAAACAAAAP//////////"/>
+                <pr:smNativeData xmlns:pr="smNativeData" val="SMDATA_15_4y+yYxMAAAAlAAAAEQAAAC8BAAAAkAAAAEgAAACQAAAASAAAAAAAAAAAAAAAAAAAAAEAAABQAAAAAAAAAAAA4D8AAAAAAADgPwAAAAAAAOA/AAAAAAAA4D8AAAAAAADgPwAAAAAAAOA/AAAAAAAA4D8AAAAAAADgPwAAAAAAAOA/AAAAAAAA4D8CAAAAjAAAAAAAAAAAAAAAu+DjDP///wgAAAAAAAAAAAAAAAAAAAAAAAAAAAAAAAAAAAAAZAAAAAEAAABAAAAAAAAAAAAAAAAAAAAAAAAAAAAAAAAAAAAAAAAAAAAAAAAAAAAAAAAAAAAAAAAAAAAAAAAAAAAAAAAAAAAAAAAAAAAAAAAAAAAAAAAAAAAAAAAAAAAAFAAAADwAAAAAAAAAAAAAAAAAAAkUAAAAAQAAABQAAAAUAAAAFAAAAAEAAAAAAAAAZAAAAGQAAAAAAAAAZAAAAGQAAAAVAAAAYAAAAAAAAAAAAAAADwAAACADAAAAAAAAAAAAAAEAAACgMgAAVgcAAKr4//8BAAAAf39/AAEAAABkAAAAAAAAABQAAABAHwAAAAAAACYAAAAAAAAAwOD//wAAAAAmAAAAZAAAABYAAABMAAAAAAAAAAAAAAAEAAAAAAAAAAEAAACAgIAKAAAAACgAAAAoAAAAZAAAAGQAAAAAAAAAzMzMAAAAAABQAAAAUAAAAGQAAABkAAAAAAAAAAcAAAA4AAAAAAAAAAAAAAAAAAAA////AAAAAAAAAAAAAAAAAAAAAAAAAAAAAAAAAAAAAABkAAAAZAAAAAAAAAAjAAAABAAAAGQAAAAXAAAAFAAAAAAAAAAAAAAA/38AAP9/AAAAAAAACQAAAAQAAAAAAAAADAAAABAAAAAAAAAAAAAAAAAAAAAAAAAAHgAAAGgAAAAAAAAAAAAAAAAAAAAAAAAAAAAAABAnAAAQJwAAAAAAAAAAAAAAAAAAAAAAAAAAAAAAAAAAAAAAAAAAAAAUAAAAAAAAAMDA/wAAAAAAZAAAADIAAAAAAAAAZAAAAAAAAAB/f38ACgAAAB8AAABUAAAAu+DjBf///wEAAAAAAAAAAAAAAAAAAAAAAAAAAAAAAAAAAAAAAAAAAAAAAAJ/f38AgICAA8zMzADAwP8Af39/AAAAAAAAAAAAAAAAAP///wAAAAAAIQAAABgAAAAUAAAAUwEAAAIPAADODAAAKRkAABAAAAAmAAAACAAAAP//////////"/>
               </a:ext>
             </a:extLst>
           </p:cNvPicPr>
@@ -4005,7 +4005,7 @@
             <a:picLocks noChangeAspect="1"/>
             <a:extLst>
               <a:ext uri="smNativeData">
-                <pr:smNativeData xmlns:pr="smNativeData" val="SMDATA_15_5C6yYxMAAAAlAAAAEQAAAC8BAAAAkAAAAEgAAACQAAAASAAAAAAAAAAAAAAAAAAAAAEAAABQAAAAAAAAAAAA4D8AAAAAAADgPwAAAAAAAOA/AAAAAAAA4D8AAAAAAADgPwAAAAAAAOA/AAAAAAAA4D8AAAAAAADgPwAAAAAAAOA/AAAAAAAA4D8CAAAAjAAAAAAAAAAAAAAAu+DjDP///wgAAAAAAAAAAAAAAAAAAAAAAAAAAAAAAAAAAAAAZAAAAAEAAABAAAAAAAAAAAAAAAAAAAAAAAAAAAAAAAAAAAAAAAAAAAAAAAAAAAAAAAAAAAAAAAAAAAAAAAAAAAAAAAAAAAAAAAAAAAAAAAAAAAAAAAAAAAAAAAAAAAAAFAAAADwAAAAAAAAAAAAAAAAAAAkUAAAAAQAAABQAAAAUAAAAFAAAAAEAAAAAAAAAZAAAAGQAAAAAAAAAZAAAAGQAAAAVAAAAYAAAAAAAAAAAAAAADwAAACADAAAAAAAAAAAAAAEAAACgMgAAVgcAAKr4//8BAAAAf39/AAEAAABkAAAAAAAAABQAAABAHwAAAAAAACYAAAAAAAAAwOD//wAAAAAmAAAAZAAAABYAAABMAAAAAAAAAAAAAAAEAAAAAAAAAAEAAACAgIAKAAAAACgAAAAoAAAAZAAAAGQAAAAAAAAAzMzMAAAAAABQAAAAUAAAAGQAAABkAAAAAAAAAAcAAAA4AAAAAAAAAAAAAAAAAAAA////AAAAAAAAAAAAAAAAAAAAAAAAAAAAAAAAAAAAAABkAAAAZAAAAAAAAAAjAAAABAAAAGQAAAAXAAAAFAAAAAAAAAAAAAAA/38AAP9/AAAAAAAACQAAAAQAAABEqHYJDAAAABAAAAAAAAAAAAAAAAAAAAAAAAAAHgAAAGgAAAAAAAAAAAAAAAAAAAAAAAAAAAAAABAnAAAQJwAAAAAAAAAAAAAAAAAAAAAAAAAAAAAAAAAAAAAAAAAAAAAUAAAAAAAAAMDA/wAAAAAAZAAAADIAAAAAAAAAZAAAAAAAAAB/f38ACgAAAB8AAABUAAAAu+DjBf///wEAAAAAAAAAAAAAAAAAAAAAAAAAAAAAAAAAAAAAAAAAAAAAAAJ/f38AgICAA8zMzADAwP8Af39/AAAAAAAAAAAAAAAAAP///wAAAAAAIQAAABgAAAAUAAAAiAMAABAHAADkLgAADBoAABAAAAAmAAAACAAAAP//////////"/>
+                <pr:smNativeData xmlns:pr="smNativeData" val="SMDATA_15_4y+yYxMAAAAlAAAAEQAAAC8BAAAAkAAAAEgAAACQAAAASAAAAAAAAAAAAAAAAAAAAAEAAABQAAAAAAAAAAAA4D8AAAAAAADgPwAAAAAAAOA/AAAAAAAA4D8AAAAAAADgPwAAAAAAAOA/AAAAAAAA4D8AAAAAAADgPwAAAAAAAOA/AAAAAAAA4D8CAAAAjAAAAAAAAAAAAAAAu+DjDP///wgAAAAAAAAAAAAAAAAAAAAAAAAAAAAAAAAAAAAAZAAAAAEAAABAAAAAAAAAAAAAAAAAAAAAAAAAAAAAAAAAAAAAAAAAAAAAAAAAAAAAAAAAAAAAAAAAAAAAAAAAAAAAAAAAAAAAAAAAAAAAAAAAAAAAAAAAAAAAAAAAAAAAFAAAADwAAAAAAAAAAAAAAAAAAAkUAAAAAQAAABQAAAAUAAAAFAAAAAEAAAAAAAAAZAAAAGQAAAAAAAAAZAAAAGQAAAAVAAAAYAAAAAAAAAAAAAAADwAAACADAAAAAAAAAAAAAAEAAACgMgAAVgcAAKr4//8BAAAAf39/AAEAAABkAAAAAAAAABQAAABAHwAAAAAAACYAAAAAAAAAwOD//wAAAAAmAAAAZAAAABYAAABMAAAAAAAAAAAAAAAEAAAAAAAAAAEAAACAgIAKAAAAACgAAAAoAAAAZAAAAGQAAAAAAAAAzMzMAAAAAABQAAAAUAAAAGQAAABkAAAAAAAAAAcAAAA4AAAAAAAAAAAAAAAAAAAA////AAAAAAAAAAAAAAAAAAAAAAAAAAAAAAAAAAAAAABkAAAAZAAAAAAAAAAjAAAABAAAAGQAAAAXAAAAFAAAAAAAAAAAAAAA/38AAP9/AAAAAAAACQAAAAQAAABEqHYJDAAAABAAAAAAAAAAAAAAAAAAAAAAAAAAHgAAAGgAAAAAAAAAAAAAAAAAAAAAAAAAAAAAABAnAAAQJwAAAAAAAAAAAAAAAAAAAAAAAAAAAAAAAAAAAAAAAAAAAAAUAAAAAAAAAMDA/wAAAAAAZAAAADIAAAAAAAAAZAAAAAAAAAB/f38ACgAAAB8AAABUAAAAu+DjBf///wEAAAAAAAAAAAAAAAAAAAAAAAAAAAAAAAAAAAAAAAAAAAAAAAJ/f38AgICAA8zMzADAwP8Af39/AAAAAAAAAAAAAAAAAP///wAAAAAAIQAAABgAAAAUAAAAiAMAABAHAADkLgAADBoAABAAAAAmAAAACAAAAP//////////"/>
               </a:ext>
             </a:extLst>
           </p:cNvPicPr>
@@ -4071,7 +4071,7 @@
             <a:picLocks noChangeAspect="1"/>
             <a:extLst>
               <a:ext uri="smNativeData">
-                <pr:smNativeData xmlns:pr="smNativeData" val="SMDATA_15_5C6yYxMAAAAlAAAAEQAAAC8BAAAAkAAAAEgAAACQAAAASAAAAAAAAAAAAAAAAAAAAAEAAABQAAAAAAAAAAAA4D8AAAAAAADgPwAAAAAAAOA/AAAAAAAA4D8AAAAAAADgPwAAAAAAAOA/AAAAAAAA4D8AAAAAAADgPwAAAAAAAOA/AAAAAAAA4D8CAAAAjAAAAAAAAAAAAAAAu+DjDP///wgAAAAAAAAAAAAAAAAAAAAAAAAAAAAAAAAAAAAAZAAAAAEAAABAAAAAAAAAAAAAAAAAAAAAAAAAAAAAAAAAAAAAAAAAAAAAAAAAAAAAAAAAAAAAAAAAAAAAAAAAAAAAAAAAAAAAAAAAAAAAAAAAAAAAAAAAAAAAAAAAAAAAFAAAADwAAAAAAAAAAAAAAAAAAAkUAAAAAQAAABQAAAAUAAAAFAAAAAEAAAAAAAAAZAAAAGQAAAAAAAAAZAAAAGQAAAAVAAAAYAAAAAAAAAAAAAAADwAAACADAAAAAAAAAAAAAAEAAACgMgAAVgcAAKr4//8BAAAAf39/AAEAAABkAAAAAAAAABQAAABAHwAAAAAAACYAAAAAAAAAwOD//wAAAAAmAAAAZAAAABYAAABMAAAAAAAAAAAAAAAEAAAAAAAAAAEAAACAgIAKAAAAACgAAAAoAAAAZAAAAGQAAAAAAAAAzMzMAAAAAABQAAAAUAAAAGQAAABkAAAAAAAAAAcAAAA4AAAAAAAAAAAAAAAAAAAA////AAAAAAAAAAAAAAAAAAAAAAAAAAAAAAAAAAAAAABkAAAAZAAAAAAAAAAjAAAABAAAAGQAAAAXAAAAFAAAAAAAAAAAAAAA/38AAP9/AAAAAAAACQAAAAQAAADAAxAADAAAABAAAAAAAAAAAAAAAAAAAAAAAAAAHgAAAGgAAAAAAAAAAAAAAAAAAAAAAAAAAAAAABAnAAAQJwAAAAAAAAAAAAAAAAAAAAAAAAAAAAAAAAAAAAAAAAAAAAAUAAAAAAAAAMDA/wAAAAAAZAAAADIAAAAAAAAAZAAAAAAAAAB/f38ACgAAAB8AAABUAAAAu+DjBf///wEAAAAAAAAAAAAAAAAAAAAAAAAAAAAAAAAAAAAAAAAAAAAAAAJ/f38AgICAA8zMzADAwP8Af39/AAAAAAAAAAAAAAAAAP///wAAAAAAIQAAABgAAAAUAAAAJwQAAJgKAADtGgAArhkAABAAAAAmAAAACAAAAP//////////"/>
+                <pr:smNativeData xmlns:pr="smNativeData" val="SMDATA_15_4y+yYxMAAAAlAAAAEQAAAC8BAAAAkAAAAEgAAACQAAAASAAAAAAAAAAAAAAAAAAAAAEAAABQAAAAAAAAAAAA4D8AAAAAAADgPwAAAAAAAOA/AAAAAAAA4D8AAAAAAADgPwAAAAAAAOA/AAAAAAAA4D8AAAAAAADgPwAAAAAAAOA/AAAAAAAA4D8CAAAAjAAAAAAAAAAAAAAAu+DjDP///wgAAAAAAAAAAAAAAAAAAAAAAAAAAAAAAAAAAAAAZAAAAAEAAABAAAAAAAAAAAAAAAAAAAAAAAAAAAAAAAAAAAAAAAAAAAAAAAAAAAAAAAAAAAAAAAAAAAAAAAAAAAAAAAAAAAAAAAAAAAAAAAAAAAAAAAAAAAAAAAAAAAAAFAAAADwAAAAAAAAAAAAAAAAAAAkUAAAAAQAAABQAAAAUAAAAFAAAAAEAAAAAAAAAZAAAAGQAAAAAAAAAZAAAAGQAAAAVAAAAYAAAAAAAAAAAAAAADwAAACADAAAAAAAAAAAAAAEAAACgMgAAVgcAAKr4//8BAAAAf39/AAEAAABkAAAAAAAAABQAAABAHwAAAAAAACYAAAAAAAAAwOD//wAAAAAmAAAAZAAAABYAAABMAAAAAAAAAAAAAAAEAAAAAAAAAAEAAACAgIAKAAAAACgAAAAoAAAAZAAAAGQAAAAAAAAAzMzMAAAAAABQAAAAUAAAAGQAAABkAAAAAAAAAAcAAAA4AAAAAAAAAAAAAAAAAAAA////AAAAAAAAAAAAAAAAAAAAAAAAAAAAAAAAAAAAAABkAAAAZAAAAAAAAAAjAAAABAAAAGQAAAAXAAAAFAAAAAAAAAAAAAAA/38AAP9/AAAAAAAACQAAAAQAAADAAxAADAAAABAAAAAAAAAAAAAAAAAAAAAAAAAAHgAAAGgAAAAAAAAAAAAAAAAAAAAAAAAAAAAAABAnAAAQJwAAAAAAAAAAAAAAAAAAAAAAAAAAAAAAAAAAAAAAAAAAAAAUAAAAAAAAAMDA/wAAAAAAZAAAADIAAAAAAAAAZAAAAAAAAAB/f38ACgAAAB8AAABUAAAAu+DjBf///wEAAAAAAAAAAAAAAAAAAAAAAAAAAAAAAAAAAAAAAAAAAAAAAAJ/f38AgICAA8zMzADAwP8Af39/AAAAAAAAAAAAAAAAAP///wAAAAAAIQAAABgAAAAUAAAAJwQAAJgKAADtGgAArhkAABAAAAAmAAAACAAAAP//////////"/>
               </a:ext>
             </a:extLst>
           </p:cNvPicPr>
@@ -4105,7 +4105,7 @@
             <a:picLocks noChangeAspect="1"/>
             <a:extLst>
               <a:ext uri="smNativeData">
-                <pr:smNativeData xmlns:pr="smNativeData" val="SMDATA_15_5C6yYxMAAAAlAAAAEQAAAC8BAAAAkAAAAEgAAACQAAAASAAAAAAAAAAAAAAAAAAAAAEAAABQAAAAAAAAAAAA4D8AAAAAAADgPwAAAAAAAOA/AAAAAAAA4D8AAAAAAADgPwAAAAAAAOA/AAAAAAAA4D8AAAAAAADgPwAAAAAAAOA/AAAAAAAA4D8CAAAAjAAAAAAAAAAAAAAAu+DjDP///wgAAAAAAAAAAAAAAAAAAAAAAAAAAAAAAAAAAAAAZAAAAAEAAABAAAAAAAAAAAAAAAAAAAAAAAAAAAAAAAAAAAAAAAAAAAAAAAAAAAAAAAAAAAAAAAAAAAAAAAAAAAAAAAAAAAAAAAAAAAAAAAAAAAAAAAAAAAAAAAAAAAAAFAAAADwAAAAAAAAAAAAAAAAAAAkUAAAAAQAAABQAAAAUAAAAFAAAAAEAAAAAAAAAZAAAAGQAAAAAAAAAZAAAAGQAAAAVAAAAYAAAAAAAAAAAAAAADwAAACADAAAAAAAAAAAAAAEAAACgMgAAVgcAAKr4//8BAAAAf39/AAEAAABkAAAAAAAAABQAAABAHwAAAAAAACYAAAAAAAAAwOD//wAAAAAmAAAAZAAAABYAAABMAAAAAAAAAAAAAAAEAAAAAAAAAAEAAACAgIAKAAAAACgAAAAoAAAAZAAAAGQAAAAAAAAAzMzMAAAAAABQAAAAUAAAAGQAAABkAAAAAAAAAAcAAAA4AAAAAAAAAAAAAAAAAAAA////AAAAAAAAAAAAAAAAAAAAAAAAAAAAAAAAAAAAAABkAAAAZAAAAAAAAAAjAAAABAAAAGQAAAAXAAAAFAAAAAAAAAAAAAAA/38AAP9/AAAAAAAACQAAAAQAAAB8Yu0LDAAAABAAAAAAAAAAAAAAAAAAAAAAAAAAHgAAAGgAAAAAAAAAAAAAAAAAAAAAAAAAAAAAABAnAAAQJwAAAAAAAAAAAAAAAAAAAAAAAAAAAAAAAAAAAAAAAAAAAAAUAAAAAAAAAMDA/wAAAAAAZAAAADIAAAAAAAAAZAAAAAAAAAB/f38ACgAAAB8AAABUAAAAu+DjBf///wEAAAAAAAAAAAAAAAAAAAAAAAAAAAAAAAAAAAAAAAAAAAAAAAJ/f38AgICAA8zMzADAwP8Af39/AAAAAAAAAAAAAAAAAP///wAAAAAAIQAAABgAAAAUAAAA3B4AAJgKAACkLQAAmhkAABAAAAAmAAAACAAAAP//////////"/>
+                <pr:smNativeData xmlns:pr="smNativeData" val="SMDATA_15_4y+yYxMAAAAlAAAAEQAAAC8BAAAAkAAAAEgAAACQAAAASAAAAAAAAAAAAAAAAAAAAAEAAABQAAAAAAAAAAAA4D8AAAAAAADgPwAAAAAAAOA/AAAAAAAA4D8AAAAAAADgPwAAAAAAAOA/AAAAAAAA4D8AAAAAAADgPwAAAAAAAOA/AAAAAAAA4D8CAAAAjAAAAAAAAAAAAAAAu+DjDP///wgAAAAAAAAAAAAAAAAAAAAAAAAAAAAAAAAAAAAAZAAAAAEAAABAAAAAAAAAAAAAAAAAAAAAAAAAAAAAAAAAAAAAAAAAAAAAAAAAAAAAAAAAAAAAAAAAAAAAAAAAAAAAAAAAAAAAAAAAAAAAAAAAAAAAAAAAAAAAAAAAAAAAFAAAADwAAAAAAAAAAAAAAAAAAAkUAAAAAQAAABQAAAAUAAAAFAAAAAEAAAAAAAAAZAAAAGQAAAAAAAAAZAAAAGQAAAAVAAAAYAAAAAAAAAAAAAAADwAAACADAAAAAAAAAAAAAAEAAACgMgAAVgcAAKr4//8BAAAAf39/AAEAAABkAAAAAAAAABQAAABAHwAAAAAAACYAAAAAAAAAwOD//wAAAAAmAAAAZAAAABYAAABMAAAAAAAAAAAAAAAEAAAAAAAAAAEAAACAgIAKAAAAACgAAAAoAAAAZAAAAGQAAAAAAAAAzMzMAAAAAABQAAAAUAAAAGQAAABkAAAAAAAAAAcAAAA4AAAAAAAAAAAAAAAAAAAA////AAAAAAAAAAAAAAAAAAAAAAAAAAAAAAAAAAAAAABkAAAAZAAAAAAAAAAjAAAABAAAAGQAAAAXAAAAFAAAAAAAAAAAAAAA/38AAP9/AAAAAAAACQAAAAQAAAB8Yu0LDAAAABAAAAAAAAAAAAAAAAAAAAAAAAAAHgAAAGgAAAAAAAAAAAAAAAAAAAAAAAAAAAAAABAnAAAQJwAAAAAAAAAAAAAAAAAAAAAAAAAAAAAAAAAAAAAAAAAAAAAUAAAAAAAAAMDA/wAAAAAAZAAAADIAAAAAAAAAZAAAAAAAAAB/f38ACgAAAB8AAABUAAAAu+DjBf///wEAAAAAAAAAAAAAAAAAAAAAAAAAAAAAAAAAAAAAAAAAAAAAAAJ/f38AgICAA8zMzADAwP8Af39/AAAAAAAAAAAAAAAAAP///wAAAAAAIQAAABgAAAAUAAAA3B4AAJgKAACkLQAAmhkAABAAAAAmAAAACAAAAP//////////"/>
               </a:ext>
             </a:extLst>
           </p:cNvPicPr>
@@ -4138,7 +4138,7 @@
           <p:cNvSpPr>
             <a:extLst>
               <a:ext uri="smNativeData">
-                <pr:smNativeData xmlns:pr="smNativeData" val="SMDATA_13_5C6yYxMAAAAlAAAA2AAAAA8BAAAAkAAAAEgAAACQAAAASAAAAAAAAAAAAAAAAAAAAAEAAABQAAAAAAAAAAAA4D8AAAAAAADgPwAAAAAAAOA/AAAAAAAA4D8AAAAAAADgPwAAAAAAAOA/AAAAAAAA4D8AAAAAAADgPwAAAAAAAOA/AAAAAAAA4D8CAAAAjAAAAAEAAAAAAAAAs7OzAP///wgAAAAAAAAAAAAAAAAAAAAAAAAAAAAAAAAAAAAAZAAAAAEAAABAAAAAAAAAAAAAAAAAAAAAAAAAAAAAAAAAAAAAAAAAAAAAAAAAAAAAAAAAAAAAAAAAAAAAAAAAAAAAAAAAAAAAAAAAAAAAAAAAAAAAAAAAAAAAAAAAAAAAFAAAADwAAAABAAAAAAAAAAAAAAkUAAAAAQAAABQAAAAUAAAAFAAAAAEAAAAAAAAAZAAAAGQAAAAAAAAAZAAAAGQAAAAVAAAAYAAAAAAAAAAAAAAADwAAACADAAAAAAAAAAAAAAEAAACgMgAAVgcAAKr4//8BAAAAf39/AAEAAABkAAAAAAAAABQAAABAHwAAAAAAACYAAAAAAAAAwOD//wAAAAAmAAAAZAAAABYAAABMAAAAAAAAAAAAAAAEAAAAAAAAAAEAAACAgIAKAAAAACgAAAAoAAAAZAAAAGQAAAAAAAAAzMzMAAAAAABQAAAAUAAAAGQAAABkAAAAAAAAABcAAAAUAAAAAAAAAAAAAAD/fwAA/38AAAAAAAAJAAAABAAAAFNQSU4MAAAAEAAAAAAAAAAAAAAAAAAAAAAAAAAeAAAAaAAAAAAAAAAAAAAAAAAAAAAAAAAAAAAAECcAABAnAAAAAAAAAAAAAAAAAAAAAAAAAAAAAAAAAAAAAAAAAAAAABQAAAAAAAAAwMD/AAAAAABkAAAAMgAAAAAAAABkAAAAAAAAAH9/fwAKAAAAHwAAAFQAAACzs7MA////AQAAAAAAAAAAAAAAAAAAAAAAAAAAAAAAAAAAAAAAAAAAAAAAAn9/fwCAgIADzMzMAMDA/wB/f38AAAAAAAAAAAAAAAAAAAAAAAAAAAAhAAAAGAAAABQAAAB8GgAANxEAAHUeAAD7EgAAEAAAACYAAAAIAAAA//////////8="/>
+                <pr:smNativeData xmlns:pr="smNativeData" val="SMDATA_13_4y+yYxMAAAAlAAAA2AAAAA8BAAAAkAAAAEgAAACQAAAASAAAAAAAAAAAAAAAAAAAAAEAAABQAAAAAAAAAAAA4D8AAAAAAADgPwAAAAAAAOA/AAAAAAAA4D8AAAAAAADgPwAAAAAAAOA/AAAAAAAA4D8AAAAAAADgPwAAAAAAAOA/AAAAAAAA4D8CAAAAjAAAAAEAAAAAAAAAs7OzAP///wgAAAAAAAAAAAAAAAAAAAAAAAAAAAAAAAAAAAAAZAAAAAEAAABAAAAAAAAAAAAAAAAAAAAAAAAAAAAAAAAAAAAAAAAAAAAAAAAAAAAAAAAAAAAAAAAAAAAAAAAAAAAAAAAAAAAAAAAAAAAAAAAAAAAAAAAAAAAAAAAAAAAAFAAAADwAAAABAAAAAAAAAAAAAAkUAAAAAQAAABQAAAAUAAAAFAAAAAEAAAAAAAAAZAAAAGQAAAAAAAAAZAAAAGQAAAAVAAAAYAAAAAAAAAAAAAAADwAAACADAAAAAAAAAAAAAAEAAACgMgAAVgcAAKr4//8BAAAAf39/AAEAAABkAAAAAAAAABQAAABAHwAAAAAAACYAAAAAAAAAwOD//wAAAAAmAAAAZAAAABYAAABMAAAAAAAAAAAAAAAEAAAAAAAAAAEAAACAgIAKAAAAACgAAAAoAAAAZAAAAGQAAAAAAAAAzMzMAAAAAABQAAAAUAAAAGQAAABkAAAAAAAAABcAAAAUAAAAAAAAAAAAAAD/fwAA/38AAAAAAAAJAAAABAAAAFNQSU4MAAAAEAAAAAAAAAAAAAAAAAAAAAAAAAAeAAAAaAAAAAAAAAAAAAAAAAAAAAAAAAAAAAAAECcAABAnAAAAAAAAAAAAAAAAAAAAAAAAAAAAAAAAAAAAAAAAAAAAABQAAAAAAAAAwMD/AAAAAABkAAAAMgAAAAAAAABkAAAAAAAAAH9/fwAKAAAAHwAAAFQAAACzs7MA////AQAAAAAAAAAAAAAAAAAAAAAAAAAAAAAAAAAAAAAAAAAAAAAAAn9/fwCAgIADzMzMAMDA/wB/f38AAAAAAAAAAAAAAAAAAAAAAAAAAAAhAAAAGAAAABQAAAB8GgAANxEAAHUeAAD7EgAAEAAAACYAAAAIAAAA//////////8="/>
               </a:ext>
             </a:extLst>
           </p:cNvSpPr>
@@ -4208,7 +4208,7 @@
             <a:picLocks noChangeAspect="1"/>
             <a:extLst>
               <a:ext uri="smNativeData">
-                <pr:smNativeData xmlns:pr="smNativeData" val="SMDATA_15_5C6yYxMAAAAlAAAAEQAAAC8BAAAAkAAAAEgAAACQAAAASAAAAAAAAAAAAAAAAAAAAAEAAABQAAAAAAAAAAAA4D8AAAAAAADgPwAAAAAAAOA/AAAAAAAA4D8AAAAAAADgPwAAAAAAAOA/AAAAAAAA4D8AAAAAAADgPwAAAAAAAOA/AAAAAAAA4D8CAAAAjAAAAAAAAAAAAAAAu+DjDP///wgAAAAAAAAAAAAAAAAAAAAAAAAAAAAAAAAAAAAAZAAAAAEAAABAAAAAAAAAAAAAAAAAAAAAAAAAAAAAAAAAAAAAAAAAAAAAAAAAAAAAAAAAAAAAAAAAAAAAAAAAAAAAAAAAAAAAAAAAAAAAAAAAAAAAAAAAAAAAAAAAAAAAFAAAADwAAAAAAAAAAAAAAAAAAAkUAAAAAQAAABQAAAAUAAAAFAAAAAEAAAAAAAAAZAAAAGQAAAAAAAAAZAAAAGQAAAAVAAAAYAAAAAAAAAAAAAAADwAAACADAAAAAAAAAAAAAAEAAACgMgAAVgcAAKr4//8BAAAAf39/AAEAAABkAAAAAAAAABQAAABAHwAAAAAAACYAAAAAAAAAwOD//wAAAAAmAAAAZAAAABYAAABMAAAAAAAAAAAAAAAEAAAAAAAAAAEAAACAgIAKAAAAACgAAAAoAAAAZAAAAGQAAAAAAAAAzMzMAAAAAABQAAAAUAAAAGQAAABkAAAAAAAAAAcAAAA4AAAAAAAAAAAAAAAAAAAA////AAAAAAAAAAAAAAAAAAAAAAAAAAAAAAAAAAAAAABkAAAAZAAAAAAAAAAjAAAABAAAAGQAAAAXAAAAFAAAAAAAAAAAAAAA/38AAP9/AAAAAAAACQAAAAQAAAAAAAAADAAAABAAAAAAAAAAAAAAAAAAAAAAAAAAHgAAAGgAAAAAAAAAAAAAAAAAAAAAAAAAAAAAABAnAAAQJwAAAAAAAAAAAAAAAAAAAAAAAAAAAAAAAAAAAAAAAAAAAAAUAAAAAAAAAMDA/wAAAAAAZAAAADIAAAAAAAAAZAAAAAAAAAB/f38ACgAAAB8AAABUAAAAu+DjBf///wEAAAAAAAAAAAAAAAAAAAAAAAAAAAAAAAAAAAAAAAAAAAAAAAJ/f38AgICAA8zMzADAwP8Af39/AAAAAAAAAAAAAAAAAP///wAAAAAAIQAAABgAAAAUAAAAagQAAMYKAACWMgAAuBgAABAAAAAmAAAACAAAAP//////////"/>
+                <pr:smNativeData xmlns:pr="smNativeData" val="SMDATA_15_4y+yYxMAAAAlAAAAEQAAAC8BAAAAkAAAAEgAAACQAAAASAAAAAAAAAAAAAAAAAAAAAEAAABQAAAAAAAAAAAA4D8AAAAAAADgPwAAAAAAAOA/AAAAAAAA4D8AAAAAAADgPwAAAAAAAOA/AAAAAAAA4D8AAAAAAADgPwAAAAAAAOA/AAAAAAAA4D8CAAAAjAAAAAAAAAAAAAAAu+DjDP///wgAAAAAAAAAAAAAAAAAAAAAAAAAAAAAAAAAAAAAZAAAAAEAAABAAAAAAAAAAAAAAAAAAAAAAAAAAAAAAAAAAAAAAAAAAAAAAAAAAAAAAAAAAAAAAAAAAAAAAAAAAAAAAAAAAAAAAAAAAAAAAAAAAAAAAAAAAAAAAAAAAAAAFAAAADwAAAAAAAAAAAAAAAAAAAkUAAAAAQAAABQAAAAUAAAAFAAAAAEAAAAAAAAAZAAAAGQAAAAAAAAAZAAAAGQAAAAVAAAAYAAAAAAAAAAAAAAADwAAACADAAAAAAAAAAAAAAEAAACgMgAAVgcAAKr4//8BAAAAf39/AAEAAABkAAAAAAAAABQAAABAHwAAAAAAACYAAAAAAAAAwOD//wAAAAAmAAAAZAAAABYAAABMAAAAAAAAAAAAAAAEAAAAAAAAAAEAAACAgIAKAAAAACgAAAAoAAAAZAAAAGQAAAAAAAAAzMzMAAAAAABQAAAAUAAAAGQAAABkAAAAAAAAAAcAAAA4AAAAAAAAAAAAAAAAAAAA////AAAAAAAAAAAAAAAAAAAAAAAAAAAAAAAAAAAAAABkAAAAZAAAAAAAAAAjAAAABAAAAGQAAAAXAAAAFAAAAAAAAAAAAAAA/38AAP9/AAAAAAAACQAAAAQAAAAAAAAADAAAABAAAAAAAAAAAAAAAAAAAAAAAAAAHgAAAGgAAAAAAAAAAAAAAAAAAAAAAAAAAAAAABAnAAAQJwAAAAAAAAAAAAAAAAAAAAAAAAAAAAAAAAAAAAAAAAAAAAAUAAAAAAAAAMDA/wAAAAAAZAAAADIAAAAAAAAAZAAAAAAAAAB/f38ACgAAAB8AAABUAAAAu+DjBf///wEAAAAAAAAAAAAAAAAAAAAAAAAAAAAAAAAAAAAAAAAAAAAAAAJ/f38AgICAA8zMzADAwP8Af39/AAAAAAAAAAAAAAAAAP///wAAAAAAIQAAABgAAAAUAAAAagQAAMYKAACWMgAAuBgAABAAAAAmAAAACAAAAP//////////"/>
               </a:ext>
             </a:extLst>
           </p:cNvPicPr>
@@ -4267,47 +4267,13 @@
           <a:chExt cx="0" cy="0"/>
         </a:xfrm>
       </p:grpSpPr>
-      <p:pic>
-        <p:nvPicPr>
-          <p:cNvPr id="2" name="Picture1"/>
-          <p:cNvPicPr>
-            <a:picLocks noChangeAspect="1"/>
-            <a:extLst>
-              <a:ext uri="smNativeData">
-                <pr:smNativeData xmlns:pr="smNativeData" val="SMDATA_15_5C6yYxMAAAAlAAAAEQAAAC8BAAAAkAAAAEgAAACQAAAASAAAAAAAAAAAAAAAAAAAAAEAAABQAAAAAAAAAAAA4D8AAAAAAADgPwAAAAAAAOA/AAAAAAAA4D8AAAAAAADgPwAAAAAAAOA/AAAAAAAA4D8AAAAAAADgPwAAAAAAAOA/AAAAAAAA4D8CAAAAjAAAAAAAAAAAAAAAu+DjDP///wgAAAAAAAAAAAAAAAAAAAAAAAAAAAAAAAAAAAAAZAAAAAEAAABAAAAAAAAAAAAAAAAAAAAAAAAAAAAAAAAAAAAAAAAAAAAAAAAAAAAAAAAAAAAAAAAAAAAAAAAAAAAAAAAAAAAAAAAAAAAAAAAAAAAAAAAAAAAAAAAAAAAAFAAAADwAAAAAAAAAAAAAAAAAAAkUAAAAAQAAABQAAAAUAAAAFAAAAAEAAAAAAAAAZAAAAGQAAAAAAAAAZAAAAGQAAAAVAAAAYAAAAAAAAAAAAAAADwAAACADAAAAAAAAAAAAAAEAAACgMgAAVgcAAKr4//8BAAAAf39/AAEAAABkAAAAAAAAABQAAABAHwAAAAAAACYAAAAAAAAAwOD//wAAAAAmAAAAZAAAABYAAABMAAAAAAAAAAAAAAAEAAAAAAAAAAEAAACAgIAKAAAAACgAAAAoAAAAZAAAAGQAAAAAAAAAzMzMAAAAAABQAAAAUAAAAGQAAABkAAAAAAAAAAcAAAA4AAAAAAAAAAAAAAAAAAAA////AAAAAAAAAAAAAAAAAAAAAAAAAAAAAAAAAAAAAABkAAAAZAAAAAAAAAAjAAAABAAAAGQAAAAXAAAAFAAAAAAAAAAAAAAA/38AAP9/AAAAAAAACQAAAAQAAADwBgoADAAAABAAAAAAAAAAAAAAAAAAAAAAAAAAHgAAAGgAAAAAAAAAAAAAAAAAAAAAAAAAAAAAABAnAAAQJwAAAAAAAAAAAAAAAAAAAAAAAAAAAAAAAAAAAAAAAAAAAAAUAAAAAAAAAMDA/wAAAAAAZAAAADIAAAAAAAAAZAAAAAAAAAB/f38ACgAAAB8AAABUAAAAu+DjBf///wEAAAAAAAAAAAAAAAAAAAAAAAAAAAAAAAAAAAAAAAAAAAAAAAJ/f38AgICAA8zMzADAwP8Af39/AAAAAAAAAAAAAAAAAP///wAAAAAAIQAAABgAAAAUAAAALgYAAPUGAAC4NAAARxgAAAAAAAAmAAAACAAAAP//////////"/>
-              </a:ext>
-            </a:extLst>
-          </p:cNvPicPr>
-          <p:nvPr/>
-        </p:nvPicPr>
-        <p:blipFill>
-          <a:blip r:embed="rId2"/>
-          <a:stretch>
-            <a:fillRect/>
-          </a:stretch>
-        </p:blipFill>
-        <p:spPr>
-          <a:xfrm>
-            <a:off x="1004570" y="1130935"/>
-            <a:ext cx="7565390" cy="2815590"/>
-          </a:xfrm>
-          <a:prstGeom prst="rect">
-            <a:avLst/>
-          </a:prstGeom>
-          <a:noFill/>
-          <a:ln>
-            <a:noFill/>
-          </a:ln>
-          <a:effectLst/>
-        </p:spPr>
-      </p:pic>
-      <p:sp>
-        <p:nvSpPr>
-          <p:cNvPr id="3" name="Rectangle1"/>
-          <p:cNvSpPr>
-            <a:extLst>
-              <a:ext uri="smNativeData">
-                <pr:smNativeData xmlns:pr="smNativeData" val="SMDATA_13_5C6yYxMAAAAlAAAAZAAAAA8BAAAAkAAAAEgAAACQAAAASAAAAAAAAAAAAAAAAAAAAAEAAABQAAAAAAAAAAAA4D8AAAAAAADgPwAAAAAAAOA/AAAAAAAA4D8AAAAAAADgPwAAAAAAAOA/AAAAAAAA4D8AAAAAAADgPwAAAAAAAOA/AAAAAAAA4D8CAAAAjAAAAAEAAAAAAAAA////CP///wgAAAAAAAAAAAAAAAAAAAAAAAAAAAAAAAAAAAAAZAAAAAEAAABAAAAAAAAAAAAAAAAAAAAAAAAAAAAAAAAAAAAAAAAAAAAAAAAAAAAAAAAAAAAAAAAAAAAAAAAAAAAAAAAAAAAAAAAAAAAAAAAAAAAAAAAAAAAAAAAAAAAAFAAAADwAAAAAAAAAAAAAAAAAAAkAAAAAAQAAAAAAAAAAAAAAAAAAAAAAAAAAAAAAZAAAAGQAAAAAAAAAZAAAAGQAAAAVAAAAYAAAAAAAAAAAAAAADwAAACADAAAAAAAAAAAAAAEAAACgMgAAAAAAAAAAAAABAAAAf39/AAEAAABkAAAAAAAAABQAAABAHwAAAAAAACYAAAAAAAAAwOD//wAAAAAmAAAAZAAAABYAAABMAAAAAAAAAAAAAAAEAAAAAAAAAAEAAACAgIAKAAAAACgAAAAoAAAAZAAAAGQAAAAAAAAAzMzMAAAAAABQAAAAUAAAAGQAAABkAAAAAAAAABcAAAAUAAAAAAAAAAAAAAD/fwAA/38AAAAAAAAJAAAABAAAAAAAAQAMAAAAEAAAAAAAAAAAAAAAAAAAAAAAAAAeAAAAaAAAAAAAAAAAAAAAAAAAAAAAAAAAAAAAECcAABAnAAAAAAAAAAAAAAAAAAAAAAAAAAAAAAAAAAAAAAAAAAAAABQAAAAAAAAAwMD/AAAAAABkAAAAMgAAAAAAAABkAAAAAAAAAH9/fwAKAAAAHwAAAFQAAAD///8B////AQAAAAAAAAAAAAAAAAAAAAAAAAAAAAAAAAAAAAAAAAAAAAAAAn9/fwCAgIADzMzMAMDA/wB/f38AAAAAAAAAAAAAAAAAAAAAAAAAAAAhAAAAGAAAABQAAAAZEgAAvQUAAA84AABeGwAAAAAAACYAAAAIAAAA//////////8="/>
+      <p:sp>
+        <p:nvSpPr>
+          <p:cNvPr id="2" name="Rectangle1"/>
+          <p:cNvSpPr>
+            <a:extLst>
+              <a:ext uri="smNativeData">
+                <pr:smNativeData xmlns:pr="smNativeData" val="SMDATA_13_4y+yYxMAAAAlAAAAZAAAAA8BAAAAkAAAAEgAAACQAAAASAAAAAAAAAAAAAAAAAAAAAEAAABQAAAAAAAAAAAA4D8AAAAAAADgPwAAAAAAAOA/AAAAAAAA4D8AAAAAAADgPwAAAAAAAOA/AAAAAAAA4D8AAAAAAADgPwAAAAAAAOA/AAAAAAAA4D8CAAAAjAAAAAEAAAAAAAAA////CP///wgAAAAAAAAAAAAAAAAAAAAAAAAAAAAAAAAAAAAAZAAAAAEAAABAAAAAAAAAAAAAAAAAAAAAAAAAAAAAAAAAAAAAAAAAAAAAAAAAAAAAAAAAAAAAAAAAAAAAAAAAAAAAAAAAAAAAAAAAAAAAAAAAAAAAAAAAAAAAAAAAAAAAFAAAADwAAAAAAAAAAAAAAAAAAAkAAAAAAQAAAAAAAAAAAAAAAAAAAAAAAAAAAAAAZAAAAGQAAAAAAAAAZAAAAGQAAAAVAAAAYAAAAAAAAAAAAAAADwAAACADAAAAAAAAAAAAAAEAAACgMgAAAAAAAAAAAAABAAAAf39/AAEAAABkAAAAAAAAABQAAABAHwAAAAAAACYAAAAAAAAAwOD//wAAAAAmAAAAZAAAABYAAABMAAAAAAAAAAAAAAAEAAAAAAAAAAEAAACAgIAKAAAAACgAAAAoAAAAZAAAAGQAAAAAAAAAzMzMAAAAAABQAAAAUAAAAGQAAABkAAAAAAAAABcAAAAUAAAAAAAAAAAAAAD/fwAA/38AAAAAAAAJAAAABAAAAAAAAQAMAAAAEAAAAAAAAAAAAAAAAAAAAAAAAAAeAAAAaAAAAAAAAAAAAAAAAAAAAAAAAAAAAAAAECcAABAnAAAAAAAAAAAAAAAAAAAAAAAAAAAAAAAAAAAAAAAAAAAAABQAAAAAAAAAwMD/AAAAAABkAAAAMgAAAAAAAABkAAAAAAAAAH9/fwAKAAAAHwAAAFQAAAD///8B////AQAAAAAAAAAAAAAAAAAAAAAAAAAAAAAAAAAAAAAAAAAAAAAAAn9/fwCAgIADzMzMAMDA/wB/f38AAAAAAAAAAAAAAAAAAAAAAAAAAAAhAAAAGAAAABQAAAAZEgAAvQUAAA84AABeGwAAEAAAACYAAAAIAAAA//////////8="/>
               </a:ext>
             </a:extLst>
           </p:cNvSpPr>
@@ -4330,103 +4296,29 @@
           <a:effectLst/>
         </p:spPr>
       </p:sp>
-      <p:sp>
-        <p:nvSpPr>
-          <p:cNvPr id="4" name="Textbox1"/>
-          <p:cNvSpPr txBox="1">
-            <a:extLst>
-              <a:ext uri="smNativeData">
-                <pr:smNativeData xmlns:pr="smNativeData" val="SMDATA_13_5C6yYxMAAAAlAAAAEgAAAA8BAAAAkAAAAEgAAACQAAAASAAAAAAAAAAAAAAAAAAAAAEAAABQAAAAAAAAAAAA4D8AAAAAAADgPwAAAAAAAOA/AAAAAAAA4D8AAAAAAADgPwAAAAAAAOA/AAAAAAAA4D8AAAAAAADgPwAAAAAAAOA/AAAAAAAA4D8CAAAAjAAAAAAAAAAAAAAAu+DjDP///wgAAAAAAAAAAAAAAAAAAAAAAAAAAAAAAAAAAAAAZAAAAAEAAABAAAAAAAAAAAAAAAAAAAAAAAAAAAAAAAAAAAAAAAAAAAAAAAAAAAAAAAAAAAAAAAAAAAAAAAAAAAAAAAAAAAAAAAAAAAAAAAAAAAAAAAAAAAAAAAAAAAAAFAAAADwAAAAAAAAAAAAAAAAAAAkUAAAAAQAAABQAAAAUAAAAFAAAAAEAAAAAAAAAZAAAAGQAAAAAAAAAZAAAAGQAAAAVAAAAYAAAAAAAAAAAAAAADwAAACADAAAAAAAAAAAAAAEAAACgMgAAVgcAAKr4//8BAAAAf39/AAEAAABkAAAAAAAAABQAAABAHwAAAAAAACYAAAAAAAAAwOD//wAAAAAmAAAAZAAAABYAAABMAAAAAAAAAAAAAAAEAAAAAAAAAAEAAACAgIAKAAAAACgAAAAoAAAAZAAAAGQAAAAAAAAAzMzMAAAAAABQAAAAUAAAAGQAAABkAAAAAAAAABcAAAAUAAAAAAAAAAAAAAD/fwAA/38AAAAAAAAJAAAABAAAAPBJ/AYMAAAAEAAAAAAAAAAAAAAAAAAAAAAAAAAeAAAAaAAAAAAAAAAAAAAAAAAAAAAAAAAAAAAAECcAABAnAAAAAAAAAAAAAAAAAAAAAAAAAAAAAAAAAAAAAAAAAAAAABQAAAAAAAAAwMD/AAAAAABkAAAAMgAAAAAAAABkAAAAAAAAAH9/fwAKAAAAHwAAAFQAAAC74OMF////AQAAAAAAAAAAAAAAAAAAAAAAAAAAAAAAAAAAAAAAAAAAAAAAAn9/fwCAgIADzMzMAMDA/wB/f38AAAAAAAAAAAAAAAAAAAAAAAAAAAAhAAAAGAAAABQAAABKFwAA/hMAAAYhAAA+FgAAAAAAACYAAAAIAAAA//////////8="/>
-              </a:ext>
-            </a:extLst>
-          </p:cNvSpPr>
-          <p:nvPr/>
-        </p:nvSpPr>
-        <p:spPr>
-          <a:xfrm>
-            <a:off x="3785870" y="3249930"/>
-            <a:ext cx="1582420" cy="365760"/>
-          </a:xfrm>
-          <a:prstGeom prst="rect">
-            <a:avLst/>
-          </a:prstGeom>
-          <a:noFill/>
-          <a:ln>
-            <a:noFill/>
-          </a:ln>
-          <a:effectLst/>
-        </p:spPr>
-        <p:txBody>
-          <a:bodyPr vert="horz" wrap="square" numCol="1" spcCol="215900" anchor="t"/>
-          <a:lstStyle/>
-          <a:p>
-            <a:pPr/>
-            <a:r>
-              <a:t>if and only if</a:t>
-            </a:r>
-          </a:p>
-        </p:txBody>
-      </p:sp>
-      <p:sp>
-        <p:nvSpPr>
-          <p:cNvPr id="5" name="Textbox2"/>
-          <p:cNvSpPr txBox="1">
-            <a:extLst>
-              <a:ext uri="smNativeData">
-                <pr:smNativeData xmlns:pr="smNativeData" val="SMDATA_13_5C6yYxMAAAAlAAAAEgAAAA8BAAAAkAAAAEgAAACQAAAASAAAAAAAAAAAAAAAAAAAAAEAAABQAAAAAAAAAAAA4D8AAAAAAADgPwAAAAAAAOA/AAAAAAAA4D8AAAAAAADgPwAAAAAAAOA/AAAAAAAA4D8AAAAAAADgPwAAAAAAAOA/AAAAAAAA4D8CAAAAjAAAAAAAAAAAAAAAu+DjDP///wgAAAAAAAAAAAAAAAAAAAAAAAAAAAAAAAAAAAAAZAAAAAEAAABAAAAAAAAAAAAAAAAAAAAAAAAAAAAAAAAAAAAAAAAAAAAAAAAAAAAAAAAAAAAAAAAAAAAAAAAAAAAAAAAAAAAAAAAAAAAAAAAAAAAAAAAAAAAAAAAAAAAAFAAAADwAAAAAAAAAAAAAAAAAAAkUAAAAAQAAABQAAAAUAAAAFAAAAAEAAAAAAAAAZAAAAGQAAAAAAAAAZAAAAGQAAAAVAAAAYAAAAAAAAAAAAAAADwAAACADAAAAAAAAAAAAAAEAAACgMgAAVgcAAKr4//8BAAAAf39/AAEAAABkAAAAAAAAABQAAABAHwAAAAAAACYAAAAAAAAAwOD//wAAAAAmAAAAZAAAABYAAABMAAAAAAAAAAAAAAAEAAAAAAAAAAEAAACAgIAKAAAAACgAAAAoAAAAZAAAAGQAAAAAAAAAzMzMAAAAAABQAAAAUAAAAGQAAABkAAAAAAAAABcAAAAUAAAAAAAAAAAAAAD/fwAA/38AAAAAAAAJAAAABAAAAAAAAAAMAAAAEAAAAAAAAAAAAAAAAAAAAAAAAAAeAAAAaAAAAAAAAAAAAAAAAAAAAAAAAAAAAAAAECcAABAnAAAAAAAAAAAAAAAAAAAAAAAAAAAAAAAAAAAAAAAAAAAAABQAAAAAAAAAwMD/AAAAAABkAAAAMgAAAAAAAABkAAAAAAAAAH9/fwAKAAAAHwAAAFQAAAC74OMF////AQAAAAAAAAAAAAAAAAAAAAAAAAAAAAAAAAAAAAAAAAAAAAAAAn9/fwCAgIADzMzMAMDA/wB/f38AAAAAAAAAAAAAAAAAAAAAAAAAAAAhAAAAGAAAABQAAABKFwAA/hMAAAYhAAA+FgAAAAAAACYAAAAIAAAA//////////8="/>
-              </a:ext>
-            </a:extLst>
-          </p:cNvSpPr>
-          <p:nvPr/>
-        </p:nvSpPr>
-        <p:spPr>
-          <a:xfrm>
-            <a:off x="3785870" y="3249930"/>
-            <a:ext cx="1582420" cy="365760"/>
-          </a:xfrm>
-          <a:prstGeom prst="rect">
-            <a:avLst/>
-          </a:prstGeom>
-          <a:noFill/>
-          <a:ln>
-            <a:noFill/>
-          </a:ln>
-          <a:effectLst/>
-        </p:spPr>
-        <p:txBody>
-          <a:bodyPr vert="horz" wrap="square" numCol="1" spcCol="215900" anchor="t"/>
-          <a:lstStyle/>
-          <a:p>
-            <a:pPr/>
-            <a:r>
-              <a:t>if and only if</a:t>
-            </a:r>
-          </a:p>
-        </p:txBody>
-      </p:sp>
       <p:pic>
         <p:nvPicPr>
-          <p:cNvPr id="6" name="Picture2"/>
+          <p:cNvPr id="3" name="Picture1"/>
           <p:cNvPicPr>
             <a:picLocks noChangeAspect="1"/>
             <a:extLst>
               <a:ext uri="smNativeData">
-                <pr:smNativeData xmlns:pr="smNativeData" val="SMDATA_15_5C6yYxMAAAAlAAAAEQAAAC8BAAAAkAAAAEgAAACQAAAASAAAAAAAAAAAAAAAAAAAAAEAAABQAAAAAAAAAAAA4D8AAAAAAADgPwAAAAAAAOA/AAAAAAAA4D8AAAAAAADgPwAAAAAAAOA/AAAAAAAA4D8AAAAAAADgPwAAAAAAAOA/AAAAAAAA4D8CAAAAjAAAAAAAAAAAAAAAu+DjDP///wgAAAAAAAAAAAAAAAAAAAAAAAAAAAAAAAAAAAAAZAAAAAEAAABAAAAAAAAAAAAAAAAAAAAAAAAAAAAAAAAAAAAAAAAAAAAAAAAAAAAAAAAAAAAAAAAAAAAAAAAAAAAAAAAAAAAAAAAAAAAAAAAAAAAAAAAAAAAAAAAAAAAAFAAAADwAAAAAAAAAAAAAAAAAAAkUAAAAAQAAABQAAAAUAAAAFAAAAAEAAAAAAAAAZAAAAGQAAAAAAAAAZAAAAGQAAAAVAAAAYAAAAAAAAAAAAAAADwAAACADAAAAAAAAAAAAAAEAAACgMgAAVgcAAKr4//8BAAAAf39/AAEAAABkAAAAAAAAABQAAABAHwAAAAAAACYAAAAAAAAAwOD//wAAAAAmAAAAZAAAABYAAABMAAAAAAAAAAAAAAAEAAAAAAAAAAEAAACAgIAKAAAAACgAAAAoAAAAZAAAAGQAAAAAAAAAzMzMAAAAAABQAAAAUAAAAGQAAABkAAAAAAAAAAcAAAA4AAAAAAAAAAAAAAAAAAAA////AAAAAAAAAAAAAAAAAAAAAAAAAAAAAAAAAAAAAABkAAAAZAAAAAAAAAAjAAAABAAAAGQAAAAXAAAAFAAAAAAAAAAAAAAA/38AAP9/AAAAAAAACQAAAAQAAAAAAAAADAAAABAAAAAuSQqZSkQhPyrVGmo2bzE/HgAAAGgAAAAAAAAAAAAAAAAAAAAAAAAAAAAAABAnAAAQJwAAAAAAAAAAAAAAAAAAAAAAAAAAAAAAAAAAAAAAAAAAAAAUAAAAAAAAAMDA/wAAAAAAZAAAADIAAAAAAAAAZAAAAAAAAAB/f38ACgAAAB8AAABUAAAAu+DjBf///wEAAAAAAAAAAAAAAAAAAAAAAAAAAAAAAAAAAAAAAAAAAAAAAAJ/f38AgICAA8zMzADAwP8Af39/AAAAAAAAAAAAAAAAAP///wAAAAAAIQAAABgAAAAUAAAA4xQAAPIHAAAWNAAAZRcAAAAAAAAmAAAACAAAAP//////////"/>
+                <pr:smNativeData xmlns:pr="smNativeData" val="SMDATA_15_4y+yYxMAAAAlAAAAEQAAAC8BAAAAkAAAAEgAAACQAAAASAAAAAAAAAAAAAAAAAAAAAEAAABQAAAAAAAAAAAA4D8AAAAAAADgPwAAAAAAAOA/AAAAAAAA4D8AAAAAAADgPwAAAAAAAOA/AAAAAAAA4D8AAAAAAADgPwAAAAAAAOA/AAAAAAAA4D8CAAAAjAAAAAAAAAAAAAAAu+DjDP///wgAAAAAAAAAAAAAAAAAAAAAAAAAAAAAAAAAAAAAZAAAAAEAAABAAAAAAAAAAAAAAAAAAAAAAAAAAAAAAAAAAAAAAAAAAAAAAAAAAAAAAAAAAAAAAAAAAAAAAAAAAAAAAAAAAAAAAAAAAAAAAAAAAAAAAAAAAAAAAAAAAAAAFAAAADwAAAAAAAAAAAAAAAAAAAkUAAAAAQAAABQAAAAUAAAAFAAAAAEAAAAAAAAAZAAAAGQAAAAAAAAAZAAAAGQAAAAVAAAAYAAAAAAAAAAAAAAADwAAACADAAAAAAAAAAAAAAEAAACgMgAAVgcAAKr4//8BAAAAf39/AAEAAABkAAAAAAAAABQAAABAHwAAAAAAACYAAAAAAAAAwOD//wAAAAAmAAAAZAAAABYAAABMAAAAAAAAAAAAAAAEAAAAAAAAAAEAAACAgIAKAAAAACgAAAAoAAAAZAAAAGQAAAAAAAAAzMzMAAAAAABQAAAAUAAAAGQAAABkAAAAAAAAAAcAAAA4AAAAAAAAAAAAAAAAAAAA////AAAAAAAAAAAAAAAAAAAAAAAAAAAAAAAAAAAAAABkAAAAZAAAAAAAAAAjAAAABAAAAGQAAAAXAAAAFAAAAAAAAAAAAAAA/38AAP9/AAAAAAAACQAAAAQAAABcjlsODAAAABAAAAAAAAAAAAAAAAAAAAAAAAAAHgAAAGgAAAAAAAAAAAAAAAAAAAAAAAAAAAAAABAnAAAQJwAAAAAAAAAAAAAAAAAAAAAAAAAAAAAAAAAAAAAAAAAAAAAUAAAAAAAAAMDA/wAAAAAAZAAAADIAAAAAAAAAZAAAAAAAAAB/f38ACgAAAB8AAABUAAAAu+DjBf///wEAAAAAAAAAAAAAAAAAAAAAAAAAAAAAAAAAAAAAAAAAAAAAAAJ/f38AgICAA8zMzADAwP8Af39/AAAAAAAAAAAAAAAAAP///wAAAAAAIQAAABgAAAAUAAAATAUAAEwFAAC3MAAAwRcAAAAAAAAmAAAACAAAAP//////////"/>
               </a:ext>
             </a:extLst>
           </p:cNvPicPr>
           <p:nvPr/>
         </p:nvPicPr>
         <p:blipFill>
-          <a:blip r:embed="rId3"/>
+          <a:blip r:embed="rId2"/>
           <a:stretch>
             <a:fillRect/>
           </a:stretch>
         </p:blipFill>
         <p:spPr>
           <a:xfrm>
-            <a:off x="3395345" y="1291590"/>
-            <a:ext cx="5071745" cy="2511425"/>
+            <a:off x="861060" y="861060"/>
+            <a:ext cx="7058025" cy="3000375"/>
           </a:xfrm>
           <a:prstGeom prst="rect">
             <a:avLst/>
@@ -5442,6 +5334,47 @@
       </a:clrScheme>
       <a:clrMap bg1="lt1" tx1="dk1" bg2="lt2" tx2="dk2" accent1="accent1" accent2="accent2" accent3="accent3" accent4="accent4" accent5="accent5" accent6="accent6" hlink="hlink" folHlink="folHlink"/>
     </a:extraClrScheme>
+    <a:extraClrScheme>
+      <a:clrScheme name="Presentation 19">
+        <a:dk1>
+          <a:srgbClr val="000000"/>
+        </a:dk1>
+        <a:lt1>
+          <a:srgbClr val="FFFFFF"/>
+        </a:lt1>
+        <a:dk2>
+          <a:srgbClr val="000000"/>
+        </a:dk2>
+        <a:lt2>
+          <a:srgbClr val="808080"/>
+        </a:lt2>
+        <a:accent1>
+          <a:srgbClr val="BBE0E3"/>
+        </a:accent1>
+        <a:accent2>
+          <a:srgbClr val="333399"/>
+        </a:accent2>
+        <a:accent3>
+          <a:srgbClr val="535379"/>
+        </a:accent3>
+        <a:accent4>
+          <a:srgbClr val="737359"/>
+        </a:accent4>
+        <a:accent5>
+          <a:srgbClr val="939339"/>
+        </a:accent5>
+        <a:accent6>
+          <a:srgbClr val="B3B319"/>
+        </a:accent6>
+        <a:hlink>
+          <a:srgbClr val="009999"/>
+        </a:hlink>
+        <a:folHlink>
+          <a:srgbClr val="99CC00"/>
+        </a:folHlink>
+      </a:clrScheme>
+      <a:clrMap bg1="lt1" tx1="dk1" bg2="lt2" tx2="dk2" accent1="accent1" accent2="accent2" accent3="accent3" accent4="accent4" accent5="accent5" accent6="accent6" hlink="hlink" folHlink="folHlink"/>
+    </a:extraClrScheme>
   </a:extraClrSchemeLst>
 </a:theme>
 </file>
--- a/images/WebFig.pptx
+++ b/images/WebFig.pptx
@@ -6,11 +6,12 @@
   </p:sldMasterIdLst>
   <p:sldIdLst>
     <p:sldId id="256" r:id="rId6"/>
-    <p:sldId id="257" r:id="rId7"/>
-    <p:sldId id="258" r:id="rId8"/>
-    <p:sldId id="259" r:id="rId9"/>
-    <p:sldId id="260" r:id="rId10"/>
-    <p:sldId id="261" r:id="rId11"/>
+    <p:sldId id="262" r:id="rId7"/>
+    <p:sldId id="257" r:id="rId8"/>
+    <p:sldId id="258" r:id="rId9"/>
+    <p:sldId id="259" r:id="rId10"/>
+    <p:sldId id="260" r:id="rId11"/>
+    <p:sldId id="261" r:id="rId12"/>
   </p:sldIdLst>
   <p:sldSz cx="9144000" cy="6858000"/>
   <p:notesSz cx="6858000" cy="9144000"/>
@@ -241,7 +242,7 @@
             <a:spLocks noGrp="1" noChangeArrowheads="1"/>
             <a:extLst>
               <a:ext uri="smNativeData">
-                <pr:smNativeData xmlns:pr="smNativeData" val="SMDATA_13_4y+yYxMAAAAlAAAAZAAAAA8BAAAAkAAAAEgAAACQAAAASAAAAAAAAAABAAAAAAAAAAEAAABQAAAAAAAAAAAA4D8AAAAAAADgPwAAAAAAAOA/AAAAAAAA4D8AAAAAAADgPwAAAAAAAOA/AAAAAAAA4D8AAAAAAADgPwAAAAAAAOA/AAAAAAAA4D8CAAAAjAAAAAAAAAAAAAAAu+DjDP///wgAAAAAAAAAAAAAAAAAAAAAAAAAAAAAAAAAAAAAZAAAAAEAAABAAAAAAAAAAAAAAAAAAAAAAAAAAAAAAAAAAAAAAAAAAAAAAAAAAAAAAAAAAAAAAAAAAAAAAAAAAAAAAAAAAAAAAAAAAAAAAAAAAAAAAAAAAAAAAAAAAAAAFAAAADwAAAAAAAAAAAAAAAAAAAkUAAAAAQAAABQAAAAUAAAAFAAAAAEAAAAAAAAAZAAAAGQAAAAAAAAAZAAAAGQAAAAVAAAAYAAAAAAAAAAAAAAADwAAACADAAAAAAAAAAAAAAEAAACgMgAAVgcAAKr4//8BAAAAf39/AAEAAABkAAAAAAAAABQAAABAHwAAAAAAACYAAAAAAAAAwOD//wAAAAAmAAAAZAAAABYAAABMAAAAAAAAAAAAAAAEAAAAAAAAAAEAAACAgIAKAAAAACgAAAAoAAAAZAAAAGQAAAAAAAAAzMzMAAAAAABQAAAAUAAAAGQAAABkAAAAAAAAABcAAAAUAAAAAAAAAAAAAAD/fwAA/38AAAAAAAAJAAAABAAAAAAAAAAMAAAAEAAAAAAAAAAAAAAAAAAAAAAAAAAeAAAAaAAAAAAAAAAAAAAAAAAAAAAAAAAAAAAAECcAABAnAAAAAAAAAAAAAAAAAAAAAAAAAAAAAAAAAAAAAAAAAAAAABQAAAAAAAAAwMD/AAAAAABkAAAAMgAAAAAAAABkAAAAAAAAAH9/fwAKAAAAHwAAAFQAAAAAAAAFAAAAAQAAAAAAAAAAAAAAAAAAAAAAAAAAAAAAAAAAAAAAAAAAAAAAAn9/fwAAAAADzMzMAMDA/wB/f38AAAAAAAAAAAAAAAAAAAAAAAAAAAAhAAAAGAAAABQAAAA4BAAAGg0AAAg0AAAmFgAAEAAAACYAAAAIAAAAAQAAAAAAAAA="/>
+                <pr:smNativeData xmlns:pr="smNativeData" val="SMDATA_13_Zg2zYxMAAAAlAAAAZAAAAA8BAAAAkAAAAEgAAACQAAAASAAAAAAAAAABAAAAAAAAAAEAAABQAAAAAAAAAAAA4D8AAAAAAADgPwAAAAAAAOA/AAAAAAAA4D8AAAAAAADgPwAAAAAAAOA/AAAAAAAA4D8AAAAAAADgPwAAAAAAAOA/AAAAAAAA4D8CAAAAjAAAAAAAAAAAAAAAu+DjDP///wgAAAAAAAAAAAAAAAAAAAAAAAAAAAAAAAAAAAAAZAAAAAEAAABAAAAAAAAAAAAAAAAAAAAAAAAAAAAAAAAAAAAAAAAAAAAAAAAAAAAAAAAAAAAAAAAAAAAAAAAAAAAAAAAAAAAAAAAAAAAAAAAAAAAAAAAAAAAAAAAAAAAAFAAAADwAAAAAAAAAAAAAAAAAAAkUAAAAAQAAABQAAAAUAAAAFAAAAAEAAAAAAAAAZAAAAGQAAAAAAAAAZAAAAGQAAAAVAAAAYAAAAAAAAAAAAAAADwAAACADAAAAAAAAAAAAAAEAAACgMgAAVgcAAKr4//8BAAAAf39/AAEAAABkAAAAAAAAABQAAABAHwAAAAAAACYAAAAAAAAAwOD//wAAAAAmAAAAZAAAABYAAABMAAAAAAAAAAAAAAAEAAAAAAAAAAEAAACAgIAKAAAAACgAAAAoAAAAZAAAAGQAAAAAAAAAzMzMAAAAAABQAAAAUAAAAGQAAABkAAAAAAAAABcAAAAUAAAAAAAAAAAAAAD/fwAA/38AAAAAAAAJAAAABAAAAAAAAAAMAAAAEAAAAAAAAAAAAAAAAAAAAAAAAAAeAAAAaAAAAAAAAAAAAAAAAAAAAAAAAAAAAAAAECcAABAnAAAAAAAAAAAAAAAAAAAAAAAAAAAAAAAAAAAAAAAAAAAAABQAAAAAAAAAwMD/AAAAAABkAAAAMgAAAAAAAABkAAAAAAAAAH9/fwAKAAAAHwAAAFQAAAAAAAAFAAAAAQAAAAAAAAAAAAAAAAAAAAAAAAAAAAAAAAAAAAAAAAAAAAAAAn9/fwAAAAADzMzMAMDA/wB/f38AAAAAAAAAAAAAAAAAAAAAAAAAAAAhAAAAGAAAABQAAAA4BAAAGg0AAAg0AAAmFgAAEAAAACYAAAAIAAAAAQAAAAAAAAA="/>
               </a:ext>
             </a:extLst>
           </p:cNvSpPr>
@@ -273,7 +274,7 @@
             <a:spLocks noGrp="1" noChangeArrowheads="1"/>
             <a:extLst>
               <a:ext uri="smNativeData">
-                <pr:smNativeData xmlns:pr="smNativeData" val="SMDATA_13_4y+yYxMAAAAlAAAAZAAAAA8BAAAAkAAAAEgAAACQAAAASAAAAAAAAAAAAAAAAAAAAAEAAABQAAAAAAAAAAAA4D8AAAAAAADgPwAAAAAAAOA/AAAAAAAA4D8AAAAAAADgPwAAAAAAAOA/AAAAAAAA4D8AAAAAAADgPwAAAAAAAOA/AAAAAAAA4D8CAAAAjAAAAAAAAAAAAAAAu+DjDP///wgAAAAAAAAAAAAAAAAAAAAAAAAAAAAAAAAAAAAAZAAAAAEAAABAAAAAAAAAAAAAAAAAAAAAAAAAAAAAAAAAAAAAAAAAAAAAAAAAAAAAAAAAAAAAAAAAAAAAAAAAAAAAAAAAAAAAAAAAAAAAAAAAAAAAAAAAAAAAAAAAAAAAFAAAADwAAAAAAAAAAAAAAAAAAAkUAAAAAQAAABQAAAAUAAAAFAAAAAEAAAAAAAAAZAAAAGQAAAAAAAAAZAAAAGQAAAAVAAAAYAAAAAAAAAAAAAAADwAAACADAAAAAAAAAAAAAAEAAACgMgAAVgcAAKr4//8BAAAAf39/AAEAAABkAAAAAAAAABQAAABAHwAAAAAAACYAAAAAAAAAwOD//wAAAAAmAAAAZAAAABYAAABMAAAAAAAAAAAAAAAEAAAAAAAAAAEAAACAgIAKAAAAACgAAAAoAAAAZAAAAGQAAAAAAAAAzMzMAAAAAABQAAAAUAAAAGQAAABkAAAAAAAAABcAAAAUAAAAAAAAAAAAAAD/fwAA/38AAAAAAAAJAAAABAAAAAAAAAAMAAAAEAAAAAAAAAAAAAAAAAAAAAAAAAAeAAAAaAAAAAAAAAAAAAAAAAAAAAAAAAAAAAAAECcAABAnAAAAAAAAAAAAAAAAAAAAAAAAAAAAAAAAAAAAAAAAAAAAABQAAAAAAAAAwMD/AAAAAABkAAAAMgAAAAAAAABkAAAAAAAAAH9/fwAKAAAAHwAAAFQAAAAAAAAFAAAAAQAAAAAAAAAAAAAAAAAAAAAAAAAAAAAAAAAAAAAAAAAAAAAAAn9/fwAAAAADzMzMAMDA/wB/f38AAAAAAAAAAAAAAAAAAAAAAAAAAAAhAAAAGAAAABQAAABwCAAA6BcAANAvAACwIgAAEAAAACYAAAAIAAAAAYAAAAAAAAA="/>
+                <pr:smNativeData xmlns:pr="smNativeData" val="SMDATA_13_Zg2zYxMAAAAlAAAAZAAAAA8BAAAAkAAAAEgAAACQAAAASAAAAAAAAAAAAAAAAAAAAAEAAABQAAAAAAAAAAAA4D8AAAAAAADgPwAAAAAAAOA/AAAAAAAA4D8AAAAAAADgPwAAAAAAAOA/AAAAAAAA4D8AAAAAAADgPwAAAAAAAOA/AAAAAAAA4D8CAAAAjAAAAAAAAAAAAAAAu+DjDP///wgAAAAAAAAAAAAAAAAAAAAAAAAAAAAAAAAAAAAAZAAAAAEAAABAAAAAAAAAAAAAAAAAAAAAAAAAAAAAAAAAAAAAAAAAAAAAAAAAAAAAAAAAAAAAAAAAAAAAAAAAAAAAAAAAAAAAAAAAAAAAAAAAAAAAAAAAAAAAAAAAAAAAFAAAADwAAAAAAAAAAAAAAAAAAAkUAAAAAQAAABQAAAAUAAAAFAAAAAEAAAAAAAAAZAAAAGQAAAAAAAAAZAAAAGQAAAAVAAAAYAAAAAAAAAAAAAAADwAAACADAAAAAAAAAAAAAAEAAACgMgAAVgcAAKr4//8BAAAAf39/AAEAAABkAAAAAAAAABQAAABAHwAAAAAAACYAAAAAAAAAwOD//wAAAAAmAAAAZAAAABYAAABMAAAAAAAAAAAAAAAEAAAAAAAAAAEAAACAgIAKAAAAACgAAAAoAAAAZAAAAGQAAAAAAAAAzMzMAAAAAABQAAAAUAAAAGQAAABkAAAAAAAAABcAAAAUAAAAAAAAAAAAAAD/fwAA/38AAAAAAAAJAAAABAAAAAAAAAAMAAAAEAAAAAAAAAAAAAAAAAAAAAAAAAAeAAAAaAAAAAAAAAAAAAAAAAAAAAAAAAAAAAAAECcAABAnAAAAAAAAAAAAAAAAAAAAAAAAAAAAAAAAAAAAAAAAAAAAABQAAAAAAAAAwMD/AAAAAABkAAAAMgAAAAAAAABkAAAAAAAAAH9/fwAKAAAAHwAAAFQAAAAAAAAFAAAAAQAAAAAAAAAAAAAAAAAAAAAAAAAAAAAAAAAAAAAAAAAAAAAAAn9/fwAAAAADzMzMAMDA/wB/f38AAAAAAAAAAAAAAAAAAAAAAAAAAAAhAAAAGAAAABQAAABwCAAA6BcAANAvAACwIgAAEAAAACYAAAAIAAAAAYAAAAAAAAA="/>
               </a:ext>
             </a:extLst>
           </p:cNvSpPr>
@@ -333,7 +334,7 @@
             <a:spLocks noGrp="1" noChangeArrowheads="1"/>
             <a:extLst>
               <a:ext uri="smNativeData">
-                <pr:smNativeData xmlns:pr="smNativeData" val="SMDATA_13_4y+yYxMAAAAlAAAAZAAAAA8BAAAAkAAAAEgAAACQAAAASAAAAAAAAAABAAAAAAAAAAEAAABQAAAAAAAAAAAA4D8AAAAAAADgPwAAAAAAAOA/AAAAAAAA4D8AAAAAAADgPwAAAAAAAOA/AAAAAAAA4D8AAAAAAADgPwAAAAAAAOA/AAAAAAAA4D8CAAAAjAAAAAAAAAAAAAAAu+DjDP///wgAAAAAAAAAAAAAAAAAAAAAAAAAAAAAAAAAAAAAZAAAAAEAAABAAAAAAAAAAAAAAAAAAAAAAAAAAAAAAAAAAAAAAAAAAAAAAAAAAAAAAAAAAAAAAAAAAAAAAAAAAAAAAAAAAAAAAAAAAAAAAAAAAAAAAAAAAAAAAAAAAAAAFAAAADwAAAAAAAAAAAAAAAAAAAkUAAAAAQAAABQAAAAUAAAAFAAAAAEAAAAAAAAAZAAAAGQAAAAAAAAAZAAAAGQAAAAVAAAAYAAAAAAAAAAAAAAADwAAACADAAAAAAAAAAAAAAEAAACgMgAAVgcAAKr4//8BAAAAf39/AAEAAABkAAAAAAAAABQAAABAHwAAAAAAACYAAAAAAAAAwOD//wAAAAAmAAAAZAAAABYAAABMAAAAAAAAAAAAAAAEAAAAAAAAAAEAAACAgIAKAAAAACgAAAAoAAAAZAAAAGQAAAAAAAAAzMzMAAAAAABQAAAAUAAAAGQAAABkAAAAAAAAABcAAAAUAAAAAAAAAAAAAAD/fwAA/38AAAAAAAAJAAAABAAAAAAAAAAMAAAAEAAAAAAAAAAAAAAAAAAAAAAAAAAeAAAAaAAAAAAAAAAAAAAAAAAAAAAAAAAAAAAAECcAABAnAAAAAAAAAAAAAAAAAAAAAAAAAAAAAAAAAAAAAAAAAAAAABQAAAAAAAAAwMD/AAAAAABkAAAAMgAAAAAAAABkAAAAAAAAAH9/fwAKAAAAHwAAAFQAAAAAAAAFAAAAAQAAAAAAAAAAAAAAAAAAAAAAAAAAAAAAAAAAAAAAAAAAAAAAAn9/fwAAAAADzMzMAMDA/wB/f38AAAAAAAAAAAAAAAAAAAAAAAAAAAAhAAAAGAAAABQAAADQAgAAGycAAPAPAABZKQAAEAAAACYAAAAIAAAAAAAAAAAAAAA="/>
+                <pr:smNativeData xmlns:pr="smNativeData" val="SMDATA_13_Zg2zYxMAAAAlAAAAZAAAAA8BAAAAkAAAAEgAAACQAAAASAAAAAAAAAABAAAAAAAAAAEAAABQAAAAAAAAAAAA4D8AAAAAAADgPwAAAAAAAOA/AAAAAAAA4D8AAAAAAADgPwAAAAAAAOA/AAAAAAAA4D8AAAAAAADgPwAAAAAAAOA/AAAAAAAA4D8CAAAAjAAAAAAAAAAAAAAAu+DjDP///wgAAAAAAAAAAAAAAAAAAAAAAAAAAAAAAAAAAAAAZAAAAAEAAABAAAAAAAAAAAAAAAAAAAAAAAAAAAAAAAAAAAAAAAAAAAAAAAAAAAAAAAAAAAAAAAAAAAAAAAAAAAAAAAAAAAAAAAAAAAAAAAAAAAAAAAAAAAAAAAAAAAAAFAAAADwAAAAAAAAAAAAAAAAAAAkUAAAAAQAAABQAAAAUAAAAFAAAAAEAAAAAAAAAZAAAAGQAAAAAAAAAZAAAAGQAAAAVAAAAYAAAAAAAAAAAAAAADwAAACADAAAAAAAAAAAAAAEAAACgMgAAVgcAAKr4//8BAAAAf39/AAEAAABkAAAAAAAAABQAAABAHwAAAAAAACYAAAAAAAAAwOD//wAAAAAmAAAAZAAAABYAAABMAAAAAAAAAAAAAAAEAAAAAAAAAAEAAACAgIAKAAAAACgAAAAoAAAAZAAAAGQAAAAAAAAAzMzMAAAAAABQAAAAUAAAAGQAAABkAAAAAAAAABcAAAAUAAAAAAAAAAAAAAD/fwAA/38AAAAAAAAJAAAABAAAAAAAAAAMAAAAEAAAAAAAAAAAAAAAAAAAAAAAAAAeAAAAaAAAAAAAAAAAAAAAAAAAAAAAAAAAAAAAECcAABAnAAAAAAAAAAAAAAAAAAAAAAAAAAAAAAAAAAAAAAAAAAAAABQAAAAAAAAAwMD/AAAAAABkAAAAMgAAAAAAAABkAAAAAAAAAH9/fwAKAAAAHwAAAFQAAAAAAAAFAAAAAQAAAAAAAAAAAAAAAAAAAAAAAAAAAAAAAAAAAAAAAAAAAAAAAn9/fwAAAAADzMzMAMDA/wB/f38AAAAAAAAAAAAAAAAAAAAAAAAAAAAhAAAAGAAAABQAAADQAgAAGycAAPAPAABZKQAAEAAAACYAAAAIAAAAAAAAAAAAAAA="/>
               </a:ext>
             </a:extLst>
           </p:cNvSpPr>
@@ -347,7 +348,7 @@
           <a:lstStyle/>
           <a:p>
             <a:pPr/>
-            <a:fld id="{0608FE78-36EB-5D08-A5B0-C05DB0FE5395}" type="datetime1">
+            <a:fld id="{03A9EF24-6AEE-FC19-A011-9C4CA15F56C9}" type="datetime1">
               <a:t/>
             </a:fld>
           </a:p>
@@ -360,7 +361,7 @@
             <a:spLocks noGrp="1" noChangeArrowheads="1"/>
             <a:extLst>
               <a:ext uri="smNativeData">
-                <pr:smNativeData xmlns:pr="smNativeData" val="SMDATA_13_4y+yYxMAAAAlAAAAZAAAAA8BAAAAkAAAAEgAAACQAAAASAAAAAAAAAABAAAAAAAAAAEAAABQAAAAAAAAAAAA4D8AAAAAAADgPwAAAAAAAOA/AAAAAAAA4D8AAAAAAADgPwAAAAAAAOA/AAAAAAAA4D8AAAAAAADgPwAAAAAAAOA/AAAAAAAA4D8CAAAAjAAAAAAAAAAAAAAAu+DjDP///wgAAAAAAAAAAAAAAAAAAAAAAAAAAAAAAAAAAAAAZAAAAAEAAABAAAAAAAAAAAAAAAAAAAAAAAAAAAAAAAAAAAAAAAAAAAAAAAAAAAAAAAAAAAAAAAAAAAAAAAAAAAAAAAAAAAAAAAAAAAAAAAAAAAAAAAAAAAAAAAAAAAAAFAAAADwAAAAAAAAAAAAAAAAAAAkUAAAAAQAAABQAAAAUAAAAFAAAAAEAAAAAAAAAZAAAAGQAAAAAAAAAZAAAAGQAAAAVAAAAYAAAAAAAAAAAAAAADwAAACADAAAAAAAAAAAAAAEAAACgMgAAVgcAAKr4//8BAAAAf39/AAEAAABkAAAAAAAAABQAAABAHwAAAAAAACYAAAAAAAAAwOD//wAAAAAmAAAAZAAAABYAAABMAAAAAAAAAAAAAAAEAAAAAAAAAAEAAACAgIAKAAAAACgAAAAoAAAAZAAAAGQAAAAAAAAAzMzMAAAAAABQAAAAUAAAAGQAAABkAAAAAAAAABcAAAAUAAAAAAAAAAAAAAD/fwAA/38AAAAAAAAJAAAABAAAAElJSf8MAAAAEAAAAAAAAAAAAAAAAAAAAAAAAAAeAAAAaAAAAAAAAAAAAAAAAAAAAAAAAAAAAAAAECcAABAnAAAAAAAAAAAAAAAAAAAAAAAAAAAAAAAAAAAAAAAAAAAAABQAAAAAAAAAwMD/AAAAAABkAAAAMgAAAAAAAABkAAAAAAAAAH9/fwAKAAAAHwAAAFQAAAAAAAAFAAAAAQAAAAAAAAAAAAAAAAAAAAAAAAAAAAAAAAAAAAAAAAAAAAAAAn9/fwAAAAADzMzMAMDA/wB/f38AAAAAAAAAAAAAAAAAAAAAAAAAAAAhAAAAGAAAABQAAAA4EwAAGycAAAglAABZKQAAEAAAACYAAAAIAAAAAAAAAAAAAAA="/>
+                <pr:smNativeData xmlns:pr="smNativeData" val="SMDATA_13_Zg2zYxMAAAAlAAAAZAAAAA8BAAAAkAAAAEgAAACQAAAASAAAAAAAAAABAAAAAAAAAAEAAABQAAAAAAAAAAAA4D8AAAAAAADgPwAAAAAAAOA/AAAAAAAA4D8AAAAAAADgPwAAAAAAAOA/AAAAAAAA4D8AAAAAAADgPwAAAAAAAOA/AAAAAAAA4D8CAAAAjAAAAAAAAAAAAAAAu+DjDP///wgAAAAAAAAAAAAAAAAAAAAAAAAAAAAAAAAAAAAAZAAAAAEAAABAAAAAAAAAAAAAAAAAAAAAAAAAAAAAAAAAAAAAAAAAAAAAAAAAAAAAAAAAAAAAAAAAAAAAAAAAAAAAAAAAAAAAAAAAAAAAAAAAAAAAAAAAAAAAAAAAAAAAFAAAADwAAAAAAAAAAAAAAAAAAAkUAAAAAQAAABQAAAAUAAAAFAAAAAEAAAAAAAAAZAAAAGQAAAAAAAAAZAAAAGQAAAAVAAAAYAAAAAAAAAAAAAAADwAAACADAAAAAAAAAAAAAAEAAACgMgAAVgcAAKr4//8BAAAAf39/AAEAAABkAAAAAAAAABQAAABAHwAAAAAAACYAAAAAAAAAwOD//wAAAAAmAAAAZAAAABYAAABMAAAAAAAAAAAAAAAEAAAAAAAAAAEAAACAgIAKAAAAACgAAAAoAAAAZAAAAGQAAAAAAAAAzMzMAAAAAABQAAAAUAAAAGQAAABkAAAAAAAAABcAAAAUAAAAAAAAAAAAAAD/fwAA/38AAAAAAAAJAAAABAAAAElJSf8MAAAAEAAAAAAAAAAAAAAAAAAAAAAAAAAeAAAAaAAAAAAAAAAAAAAAAAAAAAAAAAAAAAAAECcAABAnAAAAAAAAAAAAAAAAAAAAAAAAAAAAAAAAAAAAAAAAAAAAABQAAAAAAAAAwMD/AAAAAABkAAAAMgAAAAAAAABkAAAAAAAAAH9/fwAKAAAAHwAAAFQAAAAAAAAFAAAAAQAAAAAAAAAAAAAAAAAAAAAAAAAAAAAAAAAAAAAAAAAAAAAAAn9/fwAAAAADzMzMAMDA/wB/f38AAAAAAAAAAAAAAAAAAAAAAAAAAAAhAAAAGAAAABQAAAA4EwAAGycAAAglAABZKQAAEAAAACYAAAAIAAAAAAAAAAAAAAA="/>
               </a:ext>
             </a:extLst>
           </p:cNvSpPr>
@@ -384,7 +385,7 @@
             <a:spLocks noGrp="1" noChangeArrowheads="1"/>
             <a:extLst>
               <a:ext uri="smNativeData">
-                <pr:smNativeData xmlns:pr="smNativeData" val="SMDATA_13_4y+yYxMAAAAlAAAAZAAAAA8BAAAAkAAAAEgAAACQAAAASAAAAAAAAAABAAAAAAAAAAEAAABQAAAAAAAAAAAA4D8AAAAAAADgPwAAAAAAAOA/AAAAAAAA4D8AAAAAAADgPwAAAAAAAOA/AAAAAAAA4D8AAAAAAADgPwAAAAAAAOA/AAAAAAAA4D8CAAAAjAAAAAAAAAAAAAAAu+DjDP///wgAAAAAAAAAAAAAAAAAAAAAAAAAAAAAAAAAAAAAZAAAAAEAAABAAAAAAAAAAAAAAAAAAAAAAAAAAAAAAAAAAAAAAAAAAAAAAAAAAAAAAAAAAAAAAAAAAAAAAAAAAAAAAAAAAAAAAAAAAAAAAAAAAAAAAAAAAAAAAAAAAAAAFAAAADwAAAAAAAAAAAAAAAAAAAkUAAAAAQAAABQAAAAUAAAAFAAAAAEAAAAAAAAAZAAAAGQAAAAAAAAAZAAAAGQAAAAVAAAAYAAAAAAAAAAAAAAADwAAACADAAAAAAAAAAAAAAEAAACgMgAAVgcAAKr4//8BAAAAf39/AAEAAABkAAAAAAAAABQAAABAHwAAAAAAACYAAAAAAAAAwOD//wAAAAAmAAAAZAAAABYAAABMAAAAAAAAAAAAAAAEAAAAAAAAAAEAAACAgIAKAAAAACgAAAAoAAAAZAAAAGQAAAAAAAAAzMzMAAAAAABQAAAAUAAAAGQAAABkAAAAAAAAABcAAAAUAAAAAAAAAAAAAAD/fwAA/38AAAAAAAAJAAAABAAAAAAAAAAMAAAAEAAAAAAAAAAAAAAAAAAAAAAAAAAeAAAAaAAAAAAAAAAAAAAAAAAAAAAAAAAAAAAAECcAABAnAAAAAAAAAAAAAAAAAAAAAAAAAAAAAAAAAAAAAAAAAAAAABQAAAAAAAAAwMD/AAAAAABkAAAAMgAAAAAAAABkAAAAAAAAAH9/fwAKAAAAHwAAAFQAAAAAAAAFAAAAAQAAAAAAAAAAAAAAAAAAAAAAAAAAAAAAAAAAAAAAAAAAAAAAAn9/fwAAAAADzMzMAMDA/wB/f38AAAAAAAAAAAAAAAAAAAAAAAAAAAAhAAAAGAAAABQAAABQKAAAGycAAHA1AABZKQAAEAAAACYAAAAIAAAAAAAAAAAAAAA="/>
+                <pr:smNativeData xmlns:pr="smNativeData" val="SMDATA_13_Zg2zYxMAAAAlAAAAZAAAAA8BAAAAkAAAAEgAAACQAAAASAAAAAAAAAABAAAAAAAAAAEAAABQAAAAAAAAAAAA4D8AAAAAAADgPwAAAAAAAOA/AAAAAAAA4D8AAAAAAADgPwAAAAAAAOA/AAAAAAAA4D8AAAAAAADgPwAAAAAAAOA/AAAAAAAA4D8CAAAAjAAAAAAAAAAAAAAAu+DjDP///wgAAAAAAAAAAAAAAAAAAAAAAAAAAAAAAAAAAAAAZAAAAAEAAABAAAAAAAAAAAAAAAAAAAAAAAAAAAAAAAAAAAAAAAAAAAAAAAAAAAAAAAAAAAAAAAAAAAAAAAAAAAAAAAAAAAAAAAAAAAAAAAAAAAAAAAAAAAAAAAAAAAAAFAAAADwAAAAAAAAAAAAAAAAAAAkUAAAAAQAAABQAAAAUAAAAFAAAAAEAAAAAAAAAZAAAAGQAAAAAAAAAZAAAAGQAAAAVAAAAYAAAAAAAAAAAAAAADwAAACADAAAAAAAAAAAAAAEAAACgMgAAVgcAAKr4//8BAAAAf39/AAEAAABkAAAAAAAAABQAAABAHwAAAAAAACYAAAAAAAAAwOD//wAAAAAmAAAAZAAAABYAAABMAAAAAAAAAAAAAAAEAAAAAAAAAAEAAACAgIAKAAAAACgAAAAoAAAAZAAAAGQAAAAAAAAAzMzMAAAAAABQAAAAUAAAAGQAAABkAAAAAAAAABcAAAAUAAAAAAAAAAAAAAD/fwAA/38AAAAAAAAJAAAABAAAAAAAAAAMAAAAEAAAAAAAAAAAAAAAAAAAAAAAAAAeAAAAaAAAAAAAAAAAAAAAAAAAAAAAAAAAAAAAECcAABAnAAAAAAAAAAAAAAAAAAAAAAAAAAAAAAAAAAAAAAAAAAAAABQAAAAAAAAAwMD/AAAAAABkAAAAMgAAAAAAAABkAAAAAAAAAH9/fwAKAAAAHwAAAFQAAAAAAAAFAAAAAQAAAAAAAAAAAAAAAAAAAAAAAAAAAAAAAAAAAAAAAAAAAAAAAn9/fwAAAAADzMzMAMDA/wB/f38AAAAAAAAAAAAAAAAAAAAAAAAAAAAhAAAAGAAAABQAAABQKAAAGycAAHA1AABZKQAAEAAAACYAAAAIAAAAAAAAAAAAAAA="/>
               </a:ext>
             </a:extLst>
           </p:cNvSpPr>
@@ -398,7 +399,7 @@
           <a:lstStyle/>
           <a:p>
             <a:pPr/>
-            <a:fld id="{0608FCAE-E0EB-5D0A-A5B0-165FB2FE5343}" type="slidenum">
+            <a:fld id="{03A98014-5AEE-FC76-A011-AC23CE5F56F9}" type="slidenum">
               <a:t/>
             </a:fld>
           </a:p>
@@ -436,7 +437,7 @@
             <a:spLocks noGrp="1" noChangeArrowheads="1"/>
             <a:extLst>
               <a:ext uri="smNativeData">
-                <pr:smNativeData xmlns:pr="smNativeData" val="SMDATA_13_4y+yYxMAAAAlAAAAZAAAAA8BAAAAkAAAAEgAAACQAAAASAAAAAAAAAABAAAAAAAAAAEAAABQAAAAAAAAAAAA4D8AAAAAAADgPwAAAAAAAOA/AAAAAAAA4D8AAAAAAADgPwAAAAAAAOA/AAAAAAAA4D8AAAAAAADgPwAAAAAAAOA/AAAAAAAA4D8CAAAAjAAAAAAAAAAAAAAAu+DjDP///wgAAAAAAAAAAAAAAAAAAAAAAAAAAAAAAAAAAAAAZAAAAAEAAABAAAAAAAAAAAAAAAAAAAAAAAAAAAAAAAAAAAAAAAAAAAAAAAAAAAAAAAAAAAAAAAAAAAAAAAAAAAAAAAAAAAAAAAAAAAAAAAAAAAAAAAAAAAAAAAAAAAAAFAAAADwAAAAAAAAAAAAAAAAAAAkUAAAAAQAAABQAAAAUAAAAFAAAAAEAAAAAAAAAZAAAAGQAAAAAAAAAZAAAAGQAAAAVAAAAYAAAAAAAAAAAAAAADwAAACADAAAAAAAAAAAAAAEAAACgMgAAVgcAAKr4//8BAAAAf39/AAEAAABkAAAAAAAAABQAAABAHwAAAAAAACYAAAAAAAAAwOD//wAAAAAmAAAAZAAAABYAAABMAAAAAAAAAAAAAAAEAAAAAAAAAAEAAACAgIAKAAAAACgAAAAoAAAAZAAAAGQAAAAAAAAAzMzMAAAAAABQAAAAUAAAAGQAAABkAAAAAAAAABcAAAAUAAAAAAAAAAAAAAD/fwAA/38AAAAAAAAJAAAABAAAAAAAAAAMAAAAEAAAAAAAAAAAAAAAAAAAAAAAAAAeAAAAaAAAAAAAAAAAAAAAAAAAAAAAAAAAAAAAECcAABAnAAAAAAAAAAAAAAAAAAAAAAAAAAAAAAAAAAAAAAAAAAAAABQAAAAAAAAAwMD/AAAAAABkAAAAMgAAAAAAAABkAAAAAAAAAH9/fwAKAAAAHwAAAFQAAAAAAAAFAAAAAQAAAAAAAAAAAAAAAAAAAAAAAAAAAAAAAAAAAAAAAAAAAAAAAn9/fwAAAAADzMzMAMDA/wB/f38AAAAAAAAAAAAAAAAAAAAAAAAAAAAhAAAAGAAAABQAAADQAgAAsAEAAHA1AAC4CAAAEAAAACYAAAAIAAAAAAAAAAAAAAA="/>
+                <pr:smNativeData xmlns:pr="smNativeData" val="SMDATA_13_Zg2zYxMAAAAlAAAAZAAAAA8BAAAAkAAAAEgAAACQAAAASAAAAAAAAAABAAAAAAAAAAEAAABQAAAAAAAAAAAA4D8AAAAAAADgPwAAAAAAAOA/AAAAAAAA4D8AAAAAAADgPwAAAAAAAOA/AAAAAAAA4D8AAAAAAADgPwAAAAAAAOA/AAAAAAAA4D8CAAAAjAAAAAAAAAAAAAAAu+DjDP///wgAAAAAAAAAAAAAAAAAAAAAAAAAAAAAAAAAAAAAZAAAAAEAAABAAAAAAAAAAAAAAAAAAAAAAAAAAAAAAAAAAAAAAAAAAAAAAAAAAAAAAAAAAAAAAAAAAAAAAAAAAAAAAAAAAAAAAAAAAAAAAAAAAAAAAAAAAAAAAAAAAAAAFAAAADwAAAAAAAAAAAAAAAAAAAkUAAAAAQAAABQAAAAUAAAAFAAAAAEAAAAAAAAAZAAAAGQAAAAAAAAAZAAAAGQAAAAVAAAAYAAAAAAAAAAAAAAADwAAACADAAAAAAAAAAAAAAEAAACgMgAAVgcAAKr4//8BAAAAf39/AAEAAABkAAAAAAAAABQAAABAHwAAAAAAACYAAAAAAAAAwOD//wAAAAAmAAAAZAAAABYAAABMAAAAAAAAAAAAAAAEAAAAAAAAAAEAAACAgIAKAAAAACgAAAAoAAAAZAAAAGQAAAAAAAAAzMzMAAAAAABQAAAAUAAAAGQAAABkAAAAAAAAABcAAAAUAAAAAAAAAAAAAAD/fwAA/38AAAAAAAAJAAAABAAAAAAAAAAMAAAAEAAAAAAAAAAAAAAAAAAAAAAAAAAeAAAAaAAAAAAAAAAAAAAAAAAAAAAAAAAAAAAAECcAABAnAAAAAAAAAAAAAAAAAAAAAAAAAAAAAAAAAAAAAAAAAAAAABQAAAAAAAAAwMD/AAAAAABkAAAAMgAAAAAAAABkAAAAAAAAAH9/fwAKAAAAHwAAAFQAAAAAAAAFAAAAAQAAAAAAAAAAAAAAAAAAAAAAAAAAAAAAAAAAAAAAAAAAAAAAAn9/fwAAAAADzMzMAMDA/wB/f38AAAAAAAAAAAAAAAAAAAAAAAAAAAAhAAAAGAAAABQAAADQAgAAsAEAAHA1AAC4CAAAEAAAACYAAAAIAAAAAAAAAAAAAAA="/>
               </a:ext>
             </a:extLst>
           </p:cNvSpPr>
@@ -463,7 +464,7 @@
             <a:spLocks noGrp="1" noChangeArrowheads="1"/>
             <a:extLst>
               <a:ext uri="smNativeData">
-                <pr:smNativeData xmlns:pr="smNativeData" val="SMDATA_13_4y+yYxMAAAAlAAAAZAAAAA8BAAAAkAAAAEgAAACQAAAASAAAAAAAAAAAAAAAAQAAAAEAAABQAAAAAAAAAAAA4D8AAAAAAADgPwAAAAAAAOA/AAAAAAAA4D8AAAAAAADgPwAAAAAAAOA/AAAAAAAA4D8AAAAAAADgPwAAAAAAAOA/AAAAAAAA4D8CAAAAjAAAAAAAAAAAAAAAu+DjDP///wgAAAAAAAAAAAAAAAAAAAAAAAAAAAAAAAAAAAAAZAAAAAEAAABAAAAAAAAAAAAAAAAAAAAAAAAAAAAAAAAAAAAAAAAAAAAAAAAAAAAAAAAAAAAAAAAAAAAAAAAAAAAAAAAAAAAAAAAAAAAAAAAAAAAAAAAAAAAAAAAAAAAAFAAAADwAAAAAAAAAAAAAAAAAAAkUAAAAAQAAABQAAAAUAAAAFAAAAAEAAAAAAAAAZAAAAGQAAAAAAAAAZAAAAGQAAAAVAAAAYAAAAAAAAAAAAAAADwAAACADAAAAAAAAAAAAAAEAAACgMgAAVgcAAKr4//8BAAAAf39/AAEAAABkAAAAAAAAABQAAABAHwAAAAAAACYAAAAAAAAAwOD//wAAAAAmAAAAZAAAABYAAABMAAAAAAAAAAAAAAAEAAAAAAAAAAEAAACAgIAKAAAAACgAAAAoAAAAZAAAAGQAAAAAAAAAzMzMAAAAAABQAAAAUAAAAGQAAABkAAAAAAAAABcAAAAUAAAAAAAAAAAAAAD/fwAA/38AAAAAAAAJAAAABAAAAAAAAAAMAAAAEAAAAAAAAAAAAAAAAAAAAAAAAAAeAAAAaAAAAAAAAAAAAAAAAAAAAAAAAAAAAAAAECcAABAnAAAAAAAAAAAAAAAAAAAAAAAAAAAAAAAAAAAAAAAAAAAAABQAAAAAAAAAwMD/AAAAAABkAAAAMgAAAAAAAABkAAAAAAAAAH9/fwAKAAAAHwAAAFQAAAAAAAAFAAAAAQAAAAAAAAAAAAAAAAAAAAAAAAAAAAAAAAAAAAAAAAAAAAAAAn9/fwAAAAADzMzMAMDA/wB/f38AAAAAAAAAAAAAAAAAAAAAAAAAAAAhAAAAGAAAABQAAADQAgAA2AkAAHA1AACwJQAAEAAAACYAAAAIAAAAAgAAAAAAAAA="/>
+                <pr:smNativeData xmlns:pr="smNativeData" val="SMDATA_13_Zg2zYxMAAAAlAAAAZAAAAA8BAAAAkAAAAEgAAACQAAAASAAAAAAAAAAAAAAAAQAAAAEAAABQAAAAAAAAAAAA4D8AAAAAAADgPwAAAAAAAOA/AAAAAAAA4D8AAAAAAADgPwAAAAAAAOA/AAAAAAAA4D8AAAAAAADgPwAAAAAAAOA/AAAAAAAA4D8CAAAAjAAAAAAAAAAAAAAAu+DjDP///wgAAAAAAAAAAAAAAAAAAAAAAAAAAAAAAAAAAAAAZAAAAAEAAABAAAAAAAAAAAAAAAAAAAAAAAAAAAAAAAAAAAAAAAAAAAAAAAAAAAAAAAAAAAAAAAAAAAAAAAAAAAAAAAAAAAAAAAAAAAAAAAAAAAAAAAAAAAAAAAAAAAAAFAAAADwAAAAAAAAAAAAAAAAAAAkUAAAAAQAAABQAAAAUAAAAFAAAAAEAAAAAAAAAZAAAAGQAAAAAAAAAZAAAAGQAAAAVAAAAYAAAAAAAAAAAAAAADwAAACADAAAAAAAAAAAAAAEAAACgMgAAVgcAAKr4//8BAAAAf39/AAEAAABkAAAAAAAAABQAAABAHwAAAAAAACYAAAAAAAAAwOD//wAAAAAmAAAAZAAAABYAAABMAAAAAAAAAAAAAAAEAAAAAAAAAAEAAACAgIAKAAAAACgAAAAoAAAAZAAAAGQAAAAAAAAAzMzMAAAAAABQAAAAUAAAAGQAAABkAAAAAAAAABcAAAAUAAAAAAAAAAAAAAD/fwAA/38AAAAAAAAJAAAABAAAAAAAAAAMAAAAEAAAAAAAAAAAAAAAAAAAAAAAAAAeAAAAaAAAAAAAAAAAAAAAAAAAAAAAAAAAAAAAECcAABAnAAAAAAAAAAAAAAAAAAAAAAAAAAAAAAAAAAAAAAAAAAAAABQAAAAAAAAAwMD/AAAAAABkAAAAMgAAAAAAAABkAAAAAAAAAH9/fwAKAAAAHwAAAFQAAAAAAAAFAAAAAQAAAAAAAAAAAAAAAAAAAAAAAAAAAAAAAAAAAAAAAAAAAAAAAn9/fwAAAAADzMzMAMDA/wB/f38AAAAAAAAAAAAAAAAAAAAAAAAAAAAhAAAAGAAAABQAAADQAgAA2AkAAHA1AACwJQAAEAAAACYAAAAIAAAAAgAAAAAAAAA="/>
               </a:ext>
             </a:extLst>
           </p:cNvSpPr>
@@ -518,7 +519,7 @@
             <a:spLocks noGrp="1" noChangeArrowheads="1"/>
             <a:extLst>
               <a:ext uri="smNativeData">
-                <pr:smNativeData xmlns:pr="smNativeData" val="SMDATA_13_4y+yYxMAAAAlAAAAZAAAAA8BAAAAkAAAAEgAAACQAAAASAAAAAAAAAABAAAAAAAAAAEAAABQAAAAAAAAAAAA4D8AAAAAAADgPwAAAAAAAOA/AAAAAAAA4D8AAAAAAADgPwAAAAAAAOA/AAAAAAAA4D8AAAAAAADgPwAAAAAAAOA/AAAAAAAA4D8CAAAAjAAAAAAAAAAAAAAAu+DjDP///wgAAAAAAAAAAAAAAAAAAAAAAAAAAAAAAAAAAAAAZAAAAAEAAABAAAAAAAAAAAAAAAAAAAAAAAAAAAAAAAAAAAAAAAAAAAAAAAAAAAAAAAAAAAAAAAAAAAAAAAAAAAAAAAAAAAAAAAAAAAAAAAAAAAAAAAAAAAAAAAAAAAAAFAAAADwAAAAAAAAAAAAAAAAAAAkUAAAAAQAAABQAAAAUAAAAFAAAAAEAAAAAAAAAZAAAAGQAAAAAAAAAZAAAAGQAAAAVAAAAYAAAAAAAAAAAAAAADwAAACADAAAAAAAAAAAAAAEAAACgMgAAVgcAAKr4//8BAAAAf39/AAEAAABkAAAAAAAAABQAAABAHwAAAAAAACYAAAAAAAAAwOD//wAAAAAmAAAAZAAAABYAAABMAAAAAAAAAAAAAAAEAAAAAAAAAAEAAACAgIAKAAAAACgAAAAoAAAAZAAAAGQAAAAAAAAAzMzMAAAAAABQAAAAUAAAAGQAAABkAAAAAAAAABcAAAAUAAAAAAAAAAAAAAD/fwAA/38AAAAAAAAJAAAABAAAAAAAAAAMAAAAEAAAAAAAAAAAAAAAAAAAAAAAAAAeAAAAaAAAAAAAAAAAAAAAAAAAAAAAAAAAAAAAECcAABAnAAAAAAAAAAAAAAAAAAAAAAAAAAAAAAAAAAAAAAAAAAAAABQAAAAAAAAAwMD/AAAAAABkAAAAMgAAAAAAAABkAAAAAAAAAH9/fwAKAAAAHwAAAFQAAAAAAAAFAAAAAQAAAAAAAAAAAAAAAAAAAAAAAAAAAAAAAAAAAAAAAAAAAAAAAn9/fwAAAAADzMzMAMDA/wB/f38AAAAAAAAAAAAAAAAAAAAAAAAAAAAhAAAAGAAAABQAAADQAgAAGycAAPAPAABZKQAAEAAAACYAAAAIAAAAAAAAAAAAAAA="/>
+                <pr:smNativeData xmlns:pr="smNativeData" val="SMDATA_13_Zg2zYxMAAAAlAAAAZAAAAA8BAAAAkAAAAEgAAACQAAAASAAAAAAAAAABAAAAAAAAAAEAAABQAAAAAAAAAAAA4D8AAAAAAADgPwAAAAAAAOA/AAAAAAAA4D8AAAAAAADgPwAAAAAAAOA/AAAAAAAA4D8AAAAAAADgPwAAAAAAAOA/AAAAAAAA4D8CAAAAjAAAAAAAAAAAAAAAu+DjDP///wgAAAAAAAAAAAAAAAAAAAAAAAAAAAAAAAAAAAAAZAAAAAEAAABAAAAAAAAAAAAAAAAAAAAAAAAAAAAAAAAAAAAAAAAAAAAAAAAAAAAAAAAAAAAAAAAAAAAAAAAAAAAAAAAAAAAAAAAAAAAAAAAAAAAAAAAAAAAAAAAAAAAAFAAAADwAAAAAAAAAAAAAAAAAAAkUAAAAAQAAABQAAAAUAAAAFAAAAAEAAAAAAAAAZAAAAGQAAAAAAAAAZAAAAGQAAAAVAAAAYAAAAAAAAAAAAAAADwAAACADAAAAAAAAAAAAAAEAAACgMgAAVgcAAKr4//8BAAAAf39/AAEAAABkAAAAAAAAABQAAABAHwAAAAAAACYAAAAAAAAAwOD//wAAAAAmAAAAZAAAABYAAABMAAAAAAAAAAAAAAAEAAAAAAAAAAEAAACAgIAKAAAAACgAAAAoAAAAZAAAAGQAAAAAAAAAzMzMAAAAAABQAAAAUAAAAGQAAABkAAAAAAAAABcAAAAUAAAAAAAAAAAAAAD/fwAA/38AAAAAAAAJAAAABAAAAAAAAAAMAAAAEAAAAAAAAAAAAAAAAAAAAAAAAAAeAAAAaAAAAAAAAAAAAAAAAAAAAAAAAAAAAAAAECcAABAnAAAAAAAAAAAAAAAAAAAAAAAAAAAAAAAAAAAAAAAAAAAAABQAAAAAAAAAwMD/AAAAAABkAAAAMgAAAAAAAABkAAAAAAAAAH9/fwAKAAAAHwAAAFQAAAAAAAAFAAAAAQAAAAAAAAAAAAAAAAAAAAAAAAAAAAAAAAAAAAAAAAAAAAAAAn9/fwAAAAADzMzMAMDA/wB/f38AAAAAAAAAAAAAAAAAAAAAAAAAAAAhAAAAGAAAABQAAADQAgAAGycAAPAPAABZKQAAEAAAACYAAAAIAAAAAAAAAAAAAAA="/>
               </a:ext>
             </a:extLst>
           </p:cNvSpPr>
@@ -532,7 +533,7 @@
           <a:lstStyle/>
           <a:p>
             <a:pPr/>
-            <a:fld id="{0608B3F4-BAEB-5D45-A5B0-4C10FDFE5319}" type="datetime1">
+            <a:fld id="{03A996DF-91EE-FC60-A011-6735D85F5632}" type="datetime1">
               <a:t/>
             </a:fld>
           </a:p>
@@ -545,7 +546,7 @@
             <a:spLocks noGrp="1" noChangeArrowheads="1"/>
             <a:extLst>
               <a:ext uri="smNativeData">
-                <pr:smNativeData xmlns:pr="smNativeData" val="SMDATA_13_4y+yYxMAAAAlAAAAZAAAAA8BAAAAkAAAAEgAAACQAAAASAAAAAAAAAABAAAAAAAAAAEAAABQAAAAAAAAAAAA4D8AAAAAAADgPwAAAAAAAOA/AAAAAAAA4D8AAAAAAADgPwAAAAAAAOA/AAAAAAAA4D8AAAAAAADgPwAAAAAAAOA/AAAAAAAA4D8CAAAAjAAAAAAAAAAAAAAAu+DjDP///wgAAAAAAAAAAAAAAAAAAAAAAAAAAAAAAAAAAAAAZAAAAAEAAABAAAAAAAAAAAAAAAAAAAAAAAAAAAAAAAAAAAAAAAAAAAAAAAAAAAAAAAAAAAAAAAAAAAAAAAAAAAAAAAAAAAAAAAAAAAAAAAAAAAAAAAAAAAAAAAAAAAAAFAAAADwAAAAAAAAAAAAAAAAAAAkUAAAAAQAAABQAAAAUAAAAFAAAAAEAAAAAAAAAZAAAAGQAAAAAAAAAZAAAAGQAAAAVAAAAYAAAAAAAAAAAAAAADwAAACADAAAAAAAAAAAAAAEAAACgMgAAVgcAAKr4//8BAAAAf39/AAEAAABkAAAAAAAAABQAAABAHwAAAAAAACYAAAAAAAAAwOD//wAAAAAmAAAAZAAAABYAAABMAAAAAAAAAAAAAAAEAAAAAAAAAAEAAACAgIAKAAAAACgAAAAoAAAAZAAAAGQAAAAAAAAAzMzMAAAAAABQAAAAUAAAAGQAAABkAAAAAAAAABcAAAAUAAAAAAAAAAAAAAD/fwAA/38AAAAAAAAJAAAABAAAAAAAAAAMAAAAEAAAAAAAAAAAAAAAAAAAAAAAAAAeAAAAaAAAAAAAAAAAAAAAAAAAAAAAAAAAAAAAECcAABAnAAAAAAAAAAAAAAAAAAAAAAAAAAAAAAAAAAAAAAAAAAAAABQAAAAAAAAAwMD/AAAAAABkAAAAMgAAAAAAAABkAAAAAAAAAH9/fwAKAAAAHwAAAFQAAAAAAAAFAAAAAQAAAAAAAAAAAAAAAAAAAAAAAAAAAAAAAAAAAAAAAAAAAAAAAn9/fwAAAAADzMzMAMDA/wB/f38AAAAAAAAAAAAAAAAAAAAAAAAAAAAhAAAAGAAAABQAAAA4EwAAGycAAAglAABZKQAAEAAAACYAAAAIAAAAAAAAAAAAAAA="/>
+                <pr:smNativeData xmlns:pr="smNativeData" val="SMDATA_13_Zg2zYxMAAAAlAAAAZAAAAA8BAAAAkAAAAEgAAACQAAAASAAAAAAAAAABAAAAAAAAAAEAAABQAAAAAAAAAAAA4D8AAAAAAADgPwAAAAAAAOA/AAAAAAAA4D8AAAAAAADgPwAAAAAAAOA/AAAAAAAA4D8AAAAAAADgPwAAAAAAAOA/AAAAAAAA4D8CAAAAjAAAAAAAAAAAAAAAu+DjDP///wgAAAAAAAAAAAAAAAAAAAAAAAAAAAAAAAAAAAAAZAAAAAEAAABAAAAAAAAAAAAAAAAAAAAAAAAAAAAAAAAAAAAAAAAAAAAAAAAAAAAAAAAAAAAAAAAAAAAAAAAAAAAAAAAAAAAAAAAAAAAAAAAAAAAAAAAAAAAAAAAAAAAAFAAAADwAAAAAAAAAAAAAAAAAAAkUAAAAAQAAABQAAAAUAAAAFAAAAAEAAAAAAAAAZAAAAGQAAAAAAAAAZAAAAGQAAAAVAAAAYAAAAAAAAAAAAAAADwAAACADAAAAAAAAAAAAAAEAAACgMgAAVgcAAKr4//8BAAAAf39/AAEAAABkAAAAAAAAABQAAABAHwAAAAAAACYAAAAAAAAAwOD//wAAAAAmAAAAZAAAABYAAABMAAAAAAAAAAAAAAAEAAAAAAAAAAEAAACAgIAKAAAAACgAAAAoAAAAZAAAAGQAAAAAAAAAzMzMAAAAAABQAAAAUAAAAGQAAABkAAAAAAAAABcAAAAUAAAAAAAAAAAAAAD/fwAA/38AAAAAAAAJAAAABAAAAAAAAAAMAAAAEAAAAAAAAAAAAAAAAAAAAAAAAAAeAAAAaAAAAAAAAAAAAAAAAAAAAAAAAAAAAAAAECcAABAnAAAAAAAAAAAAAAAAAAAAAAAAAAAAAAAAAAAAAAAAAAAAABQAAAAAAAAAwMD/AAAAAABkAAAAMgAAAAAAAABkAAAAAAAAAH9/fwAKAAAAHwAAAFQAAAAAAAAFAAAAAQAAAAAAAAAAAAAAAAAAAAAAAAAAAAAAAAAAAAAAAAAAAAAAAn9/fwAAAAADzMzMAMDA/wB/f38AAAAAAAAAAAAAAAAAAAAAAAAAAAAhAAAAGAAAABQAAAA4EwAAGycAAAglAABZKQAAEAAAACYAAAAIAAAAAAAAAAAAAAA="/>
               </a:ext>
             </a:extLst>
           </p:cNvSpPr>
@@ -569,7 +570,7 @@
             <a:spLocks noGrp="1" noChangeArrowheads="1"/>
             <a:extLst>
               <a:ext uri="smNativeData">
-                <pr:smNativeData xmlns:pr="smNativeData" val="SMDATA_13_4y+yYxMAAAAlAAAAZAAAAA8BAAAAkAAAAEgAAACQAAAASAAAAAAAAAABAAAAAAAAAAEAAABQAAAAAAAAAAAA4D8AAAAAAADgPwAAAAAAAOA/AAAAAAAA4D8AAAAAAADgPwAAAAAAAOA/AAAAAAAA4D8AAAAAAADgPwAAAAAAAOA/AAAAAAAA4D8CAAAAjAAAAAAAAAAAAAAAu+DjDP///wgAAAAAAAAAAAAAAAAAAAAAAAAAAAAAAAAAAAAAZAAAAAEAAABAAAAAAAAAAAAAAAAAAAAAAAAAAAAAAAAAAAAAAAAAAAAAAAAAAAAAAAAAAAAAAAAAAAAAAAAAAAAAAAAAAAAAAAAAAAAAAAAAAAAAAAAAAAAAAAAAAAAAFAAAADwAAAAAAAAAAAAAAAAAAAkUAAAAAQAAABQAAAAUAAAAFAAAAAEAAAAAAAAAZAAAAGQAAAAAAAAAZAAAAGQAAAAVAAAAYAAAAAAAAAAAAAAADwAAACADAAAAAAAAAAAAAAEAAACgMgAAVgcAAKr4//8BAAAAf39/AAEAAABkAAAAAAAAABQAAABAHwAAAAAAACYAAAAAAAAAwOD//wAAAAAmAAAAZAAAABYAAABMAAAAAAAAAAAAAAAEAAAAAAAAAAEAAACAgIAKAAAAACgAAAAoAAAAZAAAAGQAAAAAAAAAzMzMAAAAAABQAAAAUAAAAGQAAABkAAAAAAAAABcAAAAUAAAAAAAAAAAAAAD/fwAA/38AAAAAAAAJAAAABAAAAAAAAAAMAAAAEAAAAAAAAAAAAAAAAAAAAAAAAAAeAAAAaAAAAAAAAAAAAAAAAAAAAAAAAAAAAAAAECcAABAnAAAAAAAAAAAAAAAAAAAAAAAAAAAAAAAAAAAAAAAAAAAAABQAAAAAAAAAwMD/AAAAAABkAAAAMgAAAAAAAABkAAAAAAAAAH9/fwAKAAAAHwAAAFQAAAAAAAAFAAAAAQAAAAAAAAAAAAAAAAAAAAAAAAAAAAAAAAAAAAAAAAAAAAAAAn9/fwAAAAADzMzMAMDA/wB/f38AAAAAAAAAAAAAAAAAAAAAAAAAAAAhAAAAGAAAABQAAABQKAAAGycAAHA1AABZKQAAEAAAACYAAAAIAAAAAAAAAAAAAAA="/>
+                <pr:smNativeData xmlns:pr="smNativeData" val="SMDATA_13_Zg2zYxMAAAAlAAAAZAAAAA8BAAAAkAAAAEgAAACQAAAASAAAAAAAAAABAAAAAAAAAAEAAABQAAAAAAAAAAAA4D8AAAAAAADgPwAAAAAAAOA/AAAAAAAA4D8AAAAAAADgPwAAAAAAAOA/AAAAAAAA4D8AAAAAAADgPwAAAAAAAOA/AAAAAAAA4D8CAAAAjAAAAAAAAAAAAAAAu+DjDP///wgAAAAAAAAAAAAAAAAAAAAAAAAAAAAAAAAAAAAAZAAAAAEAAABAAAAAAAAAAAAAAAAAAAAAAAAAAAAAAAAAAAAAAAAAAAAAAAAAAAAAAAAAAAAAAAAAAAAAAAAAAAAAAAAAAAAAAAAAAAAAAAAAAAAAAAAAAAAAAAAAAAAAFAAAADwAAAAAAAAAAAAAAAAAAAkUAAAAAQAAABQAAAAUAAAAFAAAAAEAAAAAAAAAZAAAAGQAAAAAAAAAZAAAAGQAAAAVAAAAYAAAAAAAAAAAAAAADwAAACADAAAAAAAAAAAAAAEAAACgMgAAVgcAAKr4//8BAAAAf39/AAEAAABkAAAAAAAAABQAAABAHwAAAAAAACYAAAAAAAAAwOD//wAAAAAmAAAAZAAAABYAAABMAAAAAAAAAAAAAAAEAAAAAAAAAAEAAACAgIAKAAAAACgAAAAoAAAAZAAAAGQAAAAAAAAAzMzMAAAAAABQAAAAUAAAAGQAAABkAAAAAAAAABcAAAAUAAAAAAAAAAAAAAD/fwAA/38AAAAAAAAJAAAABAAAAAAAAAAMAAAAEAAAAAAAAAAAAAAAAAAAAAAAAAAeAAAAaAAAAAAAAAAAAAAAAAAAAAAAAAAAAAAAECcAABAnAAAAAAAAAAAAAAAAAAAAAAAAAAAAAAAAAAAAAAAAAAAAABQAAAAAAAAAwMD/AAAAAABkAAAAMgAAAAAAAABkAAAAAAAAAH9/fwAKAAAAHwAAAFQAAAAAAAAFAAAAAQAAAAAAAAAAAAAAAAAAAAAAAAAAAAAAAAAAAAAAAAAAAAAAAn9/fwAAAAADzMzMAMDA/wB/f38AAAAAAAAAAAAAAAAAAAAAAAAAAAAhAAAAGAAAABQAAABQKAAAGycAAHA1AABZKQAAEAAAACYAAAAIAAAAAAAAAAAAAAA="/>
               </a:ext>
             </a:extLst>
           </p:cNvSpPr>
@@ -583,7 +584,7 @@
           <a:lstStyle/>
           <a:p>
             <a:pPr/>
-            <a:fld id="{0608E3C0-8EEB-5D15-A5B0-7840ADFE532D}" type="slidenum">
+            <a:fld id="{03A98699-D7EE-FC70-A011-2125C85F5674}" type="slidenum">
               <a:t/>
             </a:fld>
           </a:p>
@@ -621,7 +622,7 @@
             <a:spLocks noGrp="1" noChangeArrowheads="1"/>
             <a:extLst>
               <a:ext uri="smNativeData">
-                <pr:smNativeData xmlns:pr="smNativeData" val="SMDATA_13_4y+yYxMAAAAlAAAAZAAAAA8BAAAAkAAAAEgAAACQAAAASAAAAAAAAAACAAAAAQAAAAEAAABQAAAAAAAAAAAA4D8AAAAAAADgPwAAAAAAAOA/AAAAAAAA4D8AAAAAAADgPwAAAAAAAOA/AAAAAAAA4D8AAAAAAADgPwAAAAAAAOA/AAAAAAAA4D8CAAAAjAAAAAAAAAAAAAAAu+DjDP///wgAAAAAAAAAAAAAAAAAAAAAAAAAAAAAAAAAAAAAZAAAAAEAAABAAAAAAAAAAAAAAAAAAAAAAAAAAAAAAAAAAAAAAAAAAAAAAAAAAAAAAAAAAAAAAAAAAAAAAAAAAAAAAAAAAAAAAAAAAAAAAAAAAAAAAAAAAAAAAAAAAAAAFAAAADwAAAAAAAAAAAAAAAAAAAkUAAAAAQAAABQAAAAUAAAAFAAAAAEAAAAAAAAAZAAAAGQAAAAAAAAAZAAAAGQAAAAVAAAAYAAAAAAAAAAAAAAADwAAACADAAAAAAAAAAAAAAEAAACgMgAAVgcAAKr4//8BAAAAf39/AAEAAABkAAAAAAAAABQAAABAHwAAAAAAACYAAAAAAAAAwOD//wAAAAAmAAAAZAAAABYAAABMAAAAAAAAAAAAAAAEAAAAAAAAAAEAAACAgIAKAAAAACgAAAAoAAAAZAAAAGQAAAAAAAAAzMzMAAAAAABQAAAAUAAAAGQAAABkAAAAAAAAABcAAAAUAAAAAAAAAAAAAAD/fwAA/38AAAAAAAAJAAAABAAAAAAAAAAMAAAAEAAAAAAAAAAAAAAAAAAAAAAAAAAeAAAAaAAAAAAAAAAAAAAAAAAAAAAAAAAAAAAAECcAABAnAAAAAAAAAAAAAAAAAAAAAAAAAAAAAAAAAAAAAAAAAAAAABQAAAAAAAAAwMD/AAAAAABkAAAAMgAAAAAAAABkAAAAAAAAAH9/fwAKAAAAHwAAAFQAAAAAAAAFAAAAAQAAAAAAAAAAAAAAAAAAAAAAAAAAAAAAAAAAAAAAAAAAAAAAAn9/fwAAAAADzMzMAMDA/wB/f38AAAAAAAAAAAAAAAAAAAAAAAAAAAAhAAAAGAAAABQAAADIKAAAsAEAAHA1AACwJQAAEAAAACYAAAAIAAAAgwAAAAAAAAA="/>
+                <pr:smNativeData xmlns:pr="smNativeData" val="SMDATA_13_Zg2zYxMAAAAlAAAAZAAAAA8BAAAAkAAAAEgAAACQAAAASAAAAAAAAAACAAAAAQAAAAEAAABQAAAAAAAAAAAA4D8AAAAAAADgPwAAAAAAAOA/AAAAAAAA4D8AAAAAAADgPwAAAAAAAOA/AAAAAAAA4D8AAAAAAADgPwAAAAAAAOA/AAAAAAAA4D8CAAAAjAAAAAAAAAAAAAAAu+DjDP///wgAAAAAAAAAAAAAAAAAAAAAAAAAAAAAAAAAAAAAZAAAAAEAAABAAAAAAAAAAAAAAAAAAAAAAAAAAAAAAAAAAAAAAAAAAAAAAAAAAAAAAAAAAAAAAAAAAAAAAAAAAAAAAAAAAAAAAAAAAAAAAAAAAAAAAAAAAAAAAAAAAAAAFAAAADwAAAAAAAAAAAAAAAAAAAkUAAAAAQAAABQAAAAUAAAAFAAAAAEAAAAAAAAAZAAAAGQAAAAAAAAAZAAAAGQAAAAVAAAAYAAAAAAAAAAAAAAADwAAACADAAAAAAAAAAAAAAEAAACgMgAAVgcAAKr4//8BAAAAf39/AAEAAABkAAAAAAAAABQAAABAHwAAAAAAACYAAAAAAAAAwOD//wAAAAAmAAAAZAAAABYAAABMAAAAAAAAAAAAAAAEAAAAAAAAAAEAAACAgIAKAAAAACgAAAAoAAAAZAAAAGQAAAAAAAAAzMzMAAAAAABQAAAAUAAAAGQAAABkAAAAAAAAABcAAAAUAAAAAAAAAAAAAAD/fwAA/38AAAAAAAAJAAAABAAAAAAAAAAMAAAAEAAAAAAAAAAAAAAAAAAAAAAAAAAeAAAAaAAAAAAAAAAAAAAAAAAAAAAAAAAAAAAAECcAABAnAAAAAAAAAAAAAAAAAAAAAAAAAAAAAAAAAAAAAAAAAAAAABQAAAAAAAAAwMD/AAAAAABkAAAAMgAAAAAAAABkAAAAAAAAAH9/fwAKAAAAHwAAAFQAAAAAAAAFAAAAAQAAAAAAAAAAAAAAAAAAAAAAAAAAAAAAAAAAAAAAAAAAAAAAAn9/fwAAAAADzMzMAMDA/wB/f38AAAAAAAAAAAAAAAAAAAAAAAAAAAAhAAAAGAAAABQAAADIKAAAsAEAAHA1AACwJQAAEAAAACYAAAAIAAAAgwAAAAAAAAA="/>
               </a:ext>
             </a:extLst>
           </p:cNvSpPr>
@@ -657,7 +658,7 @@
             <a:spLocks noGrp="1" noChangeArrowheads="1"/>
             <a:extLst>
               <a:ext uri="smNativeData">
-                <pr:smNativeData xmlns:pr="smNativeData" val="SMDATA_13_4y+yYxMAAAAlAAAAZAAAAA8BAAAAkAAAAEgAAACQAAAASAAAAAAAAAAAAAAAAQAAAAEAAABQAAAAAAAAAAAA4D8AAAAAAADgPwAAAAAAAOA/AAAAAAAA4D8AAAAAAADgPwAAAAAAAOA/AAAAAAAA4D8AAAAAAADgPwAAAAAAAOA/AAAAAAAA4D8CAAAAjAAAAAAAAAAAAAAAu+DjDP///wgAAAAAAAAAAAAAAAAAAAAAAAAAAAAAAAAAAAAAZAAAAAEAAABAAAAAAAAAAAAAAAAAAAAAAAAAAAAAAAAAAAAAAAAAAAAAAAAAAAAAAAAAAAAAAAAAAAAAAAAAAAAAAAAAAAAAAAAAAAAAAAAAAAAAAAAAAAAAAAAAAAAAFAAAADwAAAAAAAAAAAAAAAAAAAkUAAAAAQAAABQAAAAUAAAAFAAAAAEAAAAAAAAAZAAAAGQAAAAAAAAAZAAAAGQAAAAVAAAAYAAAAAAAAAAAAAAADwAAACADAAAAAAAAAAAAAAEAAACgMgAAVgcAAKr4//8BAAAAf39/AAEAAABkAAAAAAAAABQAAABAHwAAAAAAACYAAAAAAAAAwOD//wAAAAAmAAAAZAAAABYAAABMAAAAAAAAAAAAAAAEAAAAAAAAAAEAAACAgIAKAAAAACgAAAAoAAAAZAAAAGQAAAAAAAAAzMzMAAAAAABQAAAAUAAAAGQAAABkAAAAAAAAABcAAAAUAAAAAAAAAAAAAAD/fwAA/38AAAAAAAAJAAAABAAAAAAAAAAMAAAAEAAAAAAAAAAAAAAAAAAAAAAAAAAeAAAAaAAAAAAAAAAAAAAAAAAAAAAAAAAAAAAAECcAABAnAAAAAAAAAAAAAAAAAAAAAAAAAAAAAAAAAAAAAAAAAAAAABQAAAAAAAAAwMD/AAAAAABkAAAAMgAAAAAAAABkAAAAAAAAAH9/fwAKAAAAHwAAAFQAAAAAAAAFAAAAAQAAAAAAAAAAAAAAAAAAAAAAAAAAAAAAAAAAAAAAAAAAAAAAAn9/fwAAAAADzMzMAMDA/wB/f38AAAAAAAAAAAAAAAAAAAAAAAAAAAAhAAAAGAAAABQAAADQAgAAsAEAANgnAACwJQAAEAAAACYAAAAIAAAAAwAAAAAAAAA="/>
+                <pr:smNativeData xmlns:pr="smNativeData" val="SMDATA_13_Zg2zYxMAAAAlAAAAZAAAAA8BAAAAkAAAAEgAAACQAAAASAAAAAAAAAAAAAAAAQAAAAEAAABQAAAAAAAAAAAA4D8AAAAAAADgPwAAAAAAAOA/AAAAAAAA4D8AAAAAAADgPwAAAAAAAOA/AAAAAAAA4D8AAAAAAADgPwAAAAAAAOA/AAAAAAAA4D8CAAAAjAAAAAAAAAAAAAAAu+DjDP///wgAAAAAAAAAAAAAAAAAAAAAAAAAAAAAAAAAAAAAZAAAAAEAAABAAAAAAAAAAAAAAAAAAAAAAAAAAAAAAAAAAAAAAAAAAAAAAAAAAAAAAAAAAAAAAAAAAAAAAAAAAAAAAAAAAAAAAAAAAAAAAAAAAAAAAAAAAAAAAAAAAAAAFAAAADwAAAAAAAAAAAAAAAAAAAkUAAAAAQAAABQAAAAUAAAAFAAAAAEAAAAAAAAAZAAAAGQAAAAAAAAAZAAAAGQAAAAVAAAAYAAAAAAAAAAAAAAADwAAACADAAAAAAAAAAAAAAEAAACgMgAAVgcAAKr4//8BAAAAf39/AAEAAABkAAAAAAAAABQAAABAHwAAAAAAACYAAAAAAAAAwOD//wAAAAAmAAAAZAAAABYAAABMAAAAAAAAAAAAAAAEAAAAAAAAAAEAAACAgIAKAAAAACgAAAAoAAAAZAAAAGQAAAAAAAAAzMzMAAAAAABQAAAAUAAAAGQAAABkAAAAAAAAABcAAAAUAAAAAAAAAAAAAAD/fwAA/38AAAAAAAAJAAAABAAAAAAAAAAMAAAAEAAAAAAAAAAAAAAAAAAAAAAAAAAeAAAAaAAAAAAAAAAAAAAAAAAAAAAAAAAAAAAAECcAABAnAAAAAAAAAAAAAAAAAAAAAAAAAAAAAAAAAAAAAAAAAAAAABQAAAAAAAAAwMD/AAAAAABkAAAAMgAAAAAAAABkAAAAAAAAAH9/fwAKAAAAHwAAAFQAAAAAAAAFAAAAAQAAAAAAAAAAAAAAAAAAAAAAAAAAAAAAAAAAAAAAAAAAAAAAAn9/fwAAAAADzMzMAMDA/wB/f38AAAAAAAAAAAAAAAAAAAAAAAAAAAAhAAAAGAAAABQAAADQAgAAsAEAANgnAACwJQAAEAAAACYAAAAIAAAAAwAAAAAAAAA="/>
               </a:ext>
             </a:extLst>
           </p:cNvSpPr>
@@ -717,7 +718,7 @@
             <a:spLocks noGrp="1" noChangeArrowheads="1"/>
             <a:extLst>
               <a:ext uri="smNativeData">
-                <pr:smNativeData xmlns:pr="smNativeData" val="SMDATA_13_4y+yYxMAAAAlAAAAZAAAAA8BAAAAkAAAAEgAAACQAAAASAAAAAAAAAABAAAAAAAAAAEAAABQAAAAAAAAAAAA4D8AAAAAAADgPwAAAAAAAOA/AAAAAAAA4D8AAAAAAADgPwAAAAAAAOA/AAAAAAAA4D8AAAAAAADgPwAAAAAAAOA/AAAAAAAA4D8CAAAAjAAAAAAAAAAAAAAAu+DjDP///wgAAAAAAAAAAAAAAAAAAAAAAAAAAAAAAAAAAAAAZAAAAAEAAABAAAAAAAAAAAAAAAAAAAAAAAAAAAAAAAAAAAAAAAAAAAAAAAAAAAAAAAAAAAAAAAAAAAAAAAAAAAAAAAAAAAAAAAAAAAAAAAAAAAAAAAAAAAAAAAAAAAAAFAAAADwAAAAAAAAAAAAAAAAAAAkUAAAAAQAAABQAAAAUAAAAFAAAAAEAAAAAAAAAZAAAAGQAAAAAAAAAZAAAAGQAAAAVAAAAYAAAAAAAAAAAAAAADwAAACADAAAAAAAAAAAAAAEAAACgMgAAVgcAAKr4//8BAAAAf39/AAEAAABkAAAAAAAAABQAAABAHwAAAAAAACYAAAAAAAAAwOD//wAAAAAmAAAAZAAAABYAAABMAAAAAAAAAAAAAAAEAAAAAAAAAAEAAACAgIAKAAAAACgAAAAoAAAAZAAAAGQAAAAAAAAAzMzMAAAAAABQAAAAUAAAAGQAAABkAAAAAAAAABcAAAAUAAAAAAAAAAAAAAD/fwAA/38AAAAAAAAJAAAABAAAAAAAAAAMAAAAEAAAAAAAAAAAAAAAAAAAAAAAAAAeAAAAaAAAAAAAAAAAAAAAAAAAAAAAAAAAAAAAECcAABAnAAAAAAAAAAAAAAAAAAAAAAAAAAAAAAAAAAAAAAAAAAAAABQAAAAAAAAAwMD/AAAAAABkAAAAMgAAAAAAAABkAAAAAAAAAH9/fwAKAAAAHwAAAFQAAAAAAAAFAAAAAQAAAAAAAAAAAAAAAAAAAAAAAAAAAAAAAAAAAAAAAAAAAAAAAn9/fwAAAAADzMzMAMDA/wB/f38AAAAAAAAAAAAAAAAAAAAAAAAAAAAhAAAAGAAAABQAAADQAgAAGycAAPAPAABZKQAAEAAAACYAAAAIAAAAAAAAAAAAAAA="/>
+                <pr:smNativeData xmlns:pr="smNativeData" val="SMDATA_13_Zg2zYxMAAAAlAAAAZAAAAA8BAAAAkAAAAEgAAACQAAAASAAAAAAAAAABAAAAAAAAAAEAAABQAAAAAAAAAAAA4D8AAAAAAADgPwAAAAAAAOA/AAAAAAAA4D8AAAAAAADgPwAAAAAAAOA/AAAAAAAA4D8AAAAAAADgPwAAAAAAAOA/AAAAAAAA4D8CAAAAjAAAAAAAAAAAAAAAu+DjDP///wgAAAAAAAAAAAAAAAAAAAAAAAAAAAAAAAAAAAAAZAAAAAEAAABAAAAAAAAAAAAAAAAAAAAAAAAAAAAAAAAAAAAAAAAAAAAAAAAAAAAAAAAAAAAAAAAAAAAAAAAAAAAAAAAAAAAAAAAAAAAAAAAAAAAAAAAAAAAAAAAAAAAAFAAAADwAAAAAAAAAAAAAAAAAAAkUAAAAAQAAABQAAAAUAAAAFAAAAAEAAAAAAAAAZAAAAGQAAAAAAAAAZAAAAGQAAAAVAAAAYAAAAAAAAAAAAAAADwAAACADAAAAAAAAAAAAAAEAAACgMgAAVgcAAKr4//8BAAAAf39/AAEAAABkAAAAAAAAABQAAABAHwAAAAAAACYAAAAAAAAAwOD//wAAAAAmAAAAZAAAABYAAABMAAAAAAAAAAAAAAAEAAAAAAAAAAEAAACAgIAKAAAAACgAAAAoAAAAZAAAAGQAAAAAAAAAzMzMAAAAAABQAAAAUAAAAGQAAABkAAAAAAAAABcAAAAUAAAAAAAAAAAAAAD/fwAA/38AAAAAAAAJAAAABAAAAAAAAAAMAAAAEAAAAAAAAAAAAAAAAAAAAAAAAAAeAAAAaAAAAAAAAAAAAAAAAAAAAAAAAAAAAAAAECcAABAnAAAAAAAAAAAAAAAAAAAAAAAAAAAAAAAAAAAAAAAAAAAAABQAAAAAAAAAwMD/AAAAAABkAAAAMgAAAAAAAABkAAAAAAAAAH9/fwAKAAAAHwAAAFQAAAAAAAAFAAAAAQAAAAAAAAAAAAAAAAAAAAAAAAAAAAAAAAAAAAAAAAAAAAAAAn9/fwAAAAADzMzMAMDA/wB/f38AAAAAAAAAAAAAAAAAAAAAAAAAAAAhAAAAGAAAABQAAADQAgAAGycAAPAPAABZKQAAEAAAACYAAAAIAAAAAAAAAAAAAAA="/>
               </a:ext>
             </a:extLst>
           </p:cNvSpPr>
@@ -731,7 +732,7 @@
           <a:lstStyle/>
           <a:p>
             <a:pPr/>
-            <a:fld id="{0608F8D4-9AEB-5D0E-A5B0-6C5BB6FE5339}" type="datetime1">
+            <a:fld id="{03A9F021-6FEE-FC06-A011-9953BE5F56CC}" type="datetime1">
               <a:t/>
             </a:fld>
           </a:p>
@@ -744,7 +745,7 @@
             <a:spLocks noGrp="1" noChangeArrowheads="1"/>
             <a:extLst>
               <a:ext uri="smNativeData">
-                <pr:smNativeData xmlns:pr="smNativeData" val="SMDATA_13_4y+yYxMAAAAlAAAAZAAAAA8BAAAAkAAAAEgAAACQAAAASAAAAAAAAAABAAAAAAAAAAEAAABQAAAAAAAAAAAA4D8AAAAAAADgPwAAAAAAAOA/AAAAAAAA4D8AAAAAAADgPwAAAAAAAOA/AAAAAAAA4D8AAAAAAADgPwAAAAAAAOA/AAAAAAAA4D8CAAAAjAAAAAAAAAAAAAAAu+DjDP///wgAAAAAAAAAAAAAAAAAAAAAAAAAAAAAAAAAAAAAZAAAAAEAAABAAAAAAAAAAAAAAAAAAAAAAAAAAAAAAAAAAAAAAAAAAAAAAAAAAAAAAAAAAAAAAAAAAAAAAAAAAAAAAAAAAAAAAAAAAAAAAAAAAAAAAAAAAAAAAAAAAAAAFAAAADwAAAAAAAAAAAAAAAAAAAkUAAAAAQAAABQAAAAUAAAAFAAAAAEAAAAAAAAAZAAAAGQAAAAAAAAAZAAAAGQAAAAVAAAAYAAAAAAAAAAAAAAADwAAACADAAAAAAAAAAAAAAEAAACgMgAAVgcAAKr4//8BAAAAf39/AAEAAABkAAAAAAAAABQAAABAHwAAAAAAACYAAAAAAAAAwOD//wAAAAAmAAAAZAAAABYAAABMAAAAAAAAAAAAAAAEAAAAAAAAAAEAAACAgIAKAAAAACgAAAAoAAAAZAAAAGQAAAAAAAAAzMzMAAAAAABQAAAAUAAAAGQAAABkAAAAAAAAABcAAAAUAAAAAAAAAAAAAAD/fwAA/38AAAAAAAAJAAAABAAAAAAAAAAMAAAAEAAAAAAAAAAAAAAAAAAAAAAAAAAeAAAAaAAAAAAAAAAAAAAAAAAAAAAAAAAAAAAAECcAABAnAAAAAAAAAAAAAAAAAAAAAAAAAAAAAAAAAAAAAAAAAAAAABQAAAAAAAAAwMD/AAAAAABkAAAAMgAAAAAAAABkAAAAAAAAAH9/fwAKAAAAHwAAAFQAAAAAAAAFAAAAAQAAAAAAAAAAAAAAAAAAAAAAAAAAAAAAAAAAAAAAAAAAAAAAAn9/fwAAAAADzMzMAMDA/wB/f38AAAAAAAAAAAAAAAAAAAAAAAAAAAAhAAAAGAAAABQAAAA4EwAAGycAAAglAABZKQAAEAAAACYAAAAIAAAAAAAAAAAAAAA="/>
+                <pr:smNativeData xmlns:pr="smNativeData" val="SMDATA_13_Zg2zYxMAAAAlAAAAZAAAAA8BAAAAkAAAAEgAAACQAAAASAAAAAAAAAABAAAAAAAAAAEAAABQAAAAAAAAAAAA4D8AAAAAAADgPwAAAAAAAOA/AAAAAAAA4D8AAAAAAADgPwAAAAAAAOA/AAAAAAAA4D8AAAAAAADgPwAAAAAAAOA/AAAAAAAA4D8CAAAAjAAAAAAAAAAAAAAAu+DjDP///wgAAAAAAAAAAAAAAAAAAAAAAAAAAAAAAAAAAAAAZAAAAAEAAABAAAAAAAAAAAAAAAAAAAAAAAAAAAAAAAAAAAAAAAAAAAAAAAAAAAAAAAAAAAAAAAAAAAAAAAAAAAAAAAAAAAAAAAAAAAAAAAAAAAAAAAAAAAAAAAAAAAAAFAAAADwAAAAAAAAAAAAAAAAAAAkUAAAAAQAAABQAAAAUAAAAFAAAAAEAAAAAAAAAZAAAAGQAAAAAAAAAZAAAAGQAAAAVAAAAYAAAAAAAAAAAAAAADwAAACADAAAAAAAAAAAAAAEAAACgMgAAVgcAAKr4//8BAAAAf39/AAEAAABkAAAAAAAAABQAAABAHwAAAAAAACYAAAAAAAAAwOD//wAAAAAmAAAAZAAAABYAAABMAAAAAAAAAAAAAAAEAAAAAAAAAAEAAACAgIAKAAAAACgAAAAoAAAAZAAAAGQAAAAAAAAAzMzMAAAAAABQAAAAUAAAAGQAAABkAAAAAAAAABcAAAAUAAAAAAAAAAAAAAD/fwAA/38AAAAAAAAJAAAABAAAAAAAAAAMAAAAEAAAAAAAAAAAAAAAAAAAAAAAAAAeAAAAaAAAAAAAAAAAAAAAAAAAAAAAAAAAAAAAECcAABAnAAAAAAAAAAAAAAAAAAAAAAAAAAAAAAAAAAAAAAAAAAAAABQAAAAAAAAAwMD/AAAAAABkAAAAMgAAAAAAAABkAAAAAAAAAH9/fwAKAAAAHwAAAFQAAAAAAAAFAAAAAQAAAAAAAAAAAAAAAAAAAAAAAAAAAAAAAAAAAAAAAAAAAAAAAn9/fwAAAAADzMzMAMDA/wB/f38AAAAAAAAAAAAAAAAAAAAAAAAAAAAhAAAAGAAAABQAAAA4EwAAGycAAAglAABZKQAAEAAAACYAAAAIAAAAAAAAAAAAAAA="/>
               </a:ext>
             </a:extLst>
           </p:cNvSpPr>
@@ -768,7 +769,7 @@
             <a:spLocks noGrp="1" noChangeArrowheads="1"/>
             <a:extLst>
               <a:ext uri="smNativeData">
-                <pr:smNativeData xmlns:pr="smNativeData" val="SMDATA_13_4y+yYxMAAAAlAAAAZAAAAA8BAAAAkAAAAEgAAACQAAAASAAAAAAAAAABAAAAAAAAAAEAAABQAAAAAAAAAAAA4D8AAAAAAADgPwAAAAAAAOA/AAAAAAAA4D8AAAAAAADgPwAAAAAAAOA/AAAAAAAA4D8AAAAAAADgPwAAAAAAAOA/AAAAAAAA4D8CAAAAjAAAAAAAAAAAAAAAu+DjDP///wgAAAAAAAAAAAAAAAAAAAAAAAAAAAAAAAAAAAAAZAAAAAEAAABAAAAAAAAAAAAAAAAAAAAAAAAAAAAAAAAAAAAAAAAAAAAAAAAAAAAAAAAAAAAAAAAAAAAAAAAAAAAAAAAAAAAAAAAAAAAAAAAAAAAAAAAAAAAAAAAAAAAAFAAAADwAAAAAAAAAAAAAAAAAAAkUAAAAAQAAABQAAAAUAAAAFAAAAAEAAAAAAAAAZAAAAGQAAAAAAAAAZAAAAGQAAAAVAAAAYAAAAAAAAAAAAAAADwAAACADAAAAAAAAAAAAAAEAAACgMgAAVgcAAKr4//8BAAAAf39/AAEAAABkAAAAAAAAABQAAABAHwAAAAAAACYAAAAAAAAAwOD//wAAAAAmAAAAZAAAABYAAABMAAAAAAAAAAAAAAAEAAAAAAAAAAEAAACAgIAKAAAAACgAAAAoAAAAZAAAAGQAAAAAAAAAzMzMAAAAAABQAAAAUAAAAGQAAABkAAAAAAAAABcAAAAUAAAAAAAAAAAAAAD/fwAA/38AAAAAAAAJAAAABAAAAAAAAAAMAAAAEAAAAAAAAAAAAAAAAAAAAAAAAAAeAAAAaAAAAAAAAAAAAAAAAAAAAAAAAAAAAAAAECcAABAnAAAAAAAAAAAAAAAAAAAAAAAAAAAAAAAAAAAAAAAAAAAAABQAAAAAAAAAwMD/AAAAAABkAAAAMgAAAAAAAABkAAAAAAAAAH9/fwAKAAAAHwAAAFQAAAAAAAAFAAAAAQAAAAAAAAAAAAAAAAAAAAAAAAAAAAAAAAAAAAAAAAAAAAAAAn9/fwAAAAADzMzMAMDA/wB/f38AAAAAAAAAAAAAAAAAAAAAAAAAAAAhAAAAGAAAABQAAABQKAAAGycAAHA1AABZKQAAEAAAACYAAAAIAAAAAAAAAAAAAAA="/>
+                <pr:smNativeData xmlns:pr="smNativeData" val="SMDATA_13_Zg2zYxMAAAAlAAAAZAAAAA8BAAAAkAAAAEgAAACQAAAASAAAAAAAAAABAAAAAAAAAAEAAABQAAAAAAAAAAAA4D8AAAAAAADgPwAAAAAAAOA/AAAAAAAA4D8AAAAAAADgPwAAAAAAAOA/AAAAAAAA4D8AAAAAAADgPwAAAAAAAOA/AAAAAAAA4D8CAAAAjAAAAAAAAAAAAAAAu+DjDP///wgAAAAAAAAAAAAAAAAAAAAAAAAAAAAAAAAAAAAAZAAAAAEAAABAAAAAAAAAAAAAAAAAAAAAAAAAAAAAAAAAAAAAAAAAAAAAAAAAAAAAAAAAAAAAAAAAAAAAAAAAAAAAAAAAAAAAAAAAAAAAAAAAAAAAAAAAAAAAAAAAAAAAFAAAADwAAAAAAAAAAAAAAAAAAAkUAAAAAQAAABQAAAAUAAAAFAAAAAEAAAAAAAAAZAAAAGQAAAAAAAAAZAAAAGQAAAAVAAAAYAAAAAAAAAAAAAAADwAAACADAAAAAAAAAAAAAAEAAACgMgAAVgcAAKr4//8BAAAAf39/AAEAAABkAAAAAAAAABQAAABAHwAAAAAAACYAAAAAAAAAwOD//wAAAAAmAAAAZAAAABYAAABMAAAAAAAAAAAAAAAEAAAAAAAAAAEAAACAgIAKAAAAACgAAAAoAAAAZAAAAGQAAAAAAAAAzMzMAAAAAABQAAAAUAAAAGQAAABkAAAAAAAAABcAAAAUAAAAAAAAAAAAAAD/fwAA/38AAAAAAAAJAAAABAAAAAAAAAAMAAAAEAAAAAAAAAAAAAAAAAAAAAAAAAAeAAAAaAAAAAAAAAAAAAAAAAAAAAAAAAAAAAAAECcAABAnAAAAAAAAAAAAAAAAAAAAAAAAAAAAAAAAAAAAAAAAAAAAABQAAAAAAAAAwMD/AAAAAABkAAAAMgAAAAAAAABkAAAAAAAAAH9/fwAKAAAAHwAAAFQAAAAAAAAFAAAAAQAAAAAAAAAAAAAAAAAAAAAAAAAAAAAAAAAAAAAAAAAAAAAAAn9/fwAAAAADzMzMAMDA/wB/f38AAAAAAAAAAAAAAAAAAAAAAAAAAAAhAAAAGAAAABQAAABQKAAAGycAAHA1AABZKQAAEAAAACYAAAAIAAAAAAAAAAAAAAA="/>
               </a:ext>
             </a:extLst>
           </p:cNvSpPr>
@@ -782,7 +783,7 @@
           <a:lstStyle/>
           <a:p>
             <a:pPr/>
-            <a:fld id="{0608C3A0-EEEB-5D35-A5B0-18608DFE534D}" type="slidenum">
+            <a:fld id="{03A9E746-08EE-FC11-A011-FE44A95F56AB}" type="slidenum">
               <a:t/>
             </a:fld>
           </a:p>
@@ -820,7 +821,7 @@
             <a:spLocks noGrp="1" noChangeArrowheads="1"/>
             <a:extLst>
               <a:ext uri="smNativeData">
-                <pr:smNativeData xmlns:pr="smNativeData" val="SMDATA_13_4y+yYxMAAAAlAAAAZAAAAA8BAAAAkAAAAEgAAACQAAAASAAAAAAAAAABAAAAAAAAAAEAAABQAAAAAAAAAAAA4D8AAAAAAADgPwAAAAAAAOA/AAAAAAAA4D8AAAAAAADgPwAAAAAAAOA/AAAAAAAA4D8AAAAAAADgPwAAAAAAAOA/AAAAAAAA4D8CAAAAjAAAAAAAAAAAAAAAu+DjDP///wgAAAAAAAAAAAAAAAAAAAAAAAAAAAAAAAAAAAAAZAAAAAEAAABAAAAAAAAAAAAAAAAAAAAAAAAAAAAAAAAAAAAAAAAAAAAAAAAAAAAAAAAAAAAAAAAAAAAAAAAAAAAAAAAAAAAAAAAAAAAAAAAAAAAAAAAAAAAAAAAAAAAAFAAAADwAAAAAAAAAAAAAAAAAAAkUAAAAAQAAABQAAAAUAAAAFAAAAAEAAAAAAAAAZAAAAGQAAAAAAAAAZAAAAGQAAAAVAAAAYAAAAAAAAAAAAAAADwAAACADAAAAAAAAAAAAAAEAAACgMgAAVgcAAKr4//8BAAAAf39/AAEAAABkAAAAAAAAABQAAABAHwAAAAAAACYAAAAAAAAAwOD//wAAAAAmAAAAZAAAABYAAABMAAAAAAAAAAAAAAAEAAAAAAAAAAEAAACAgIAKAAAAACgAAAAoAAAAZAAAAGQAAAAAAAAAzMzMAAAAAABQAAAAUAAAAGQAAABkAAAAAAAAABcAAAAUAAAAAAAAAAAAAAD/fwAA/38AAAAAAAAJAAAABAAAAE4AbwAMAAAAEAAAAAAAAAAAAAAAAAAAAAAAAAAeAAAAaAAAAAAAAAAAAAAAAAAAAAAAAAAAAAAAECcAABAnAAAAAAAAAAAAAAAAAAAAAAAAAAAAAAAAAAAAAAAAAAAAABQAAAAAAAAAwMD/AAAAAABkAAAAMgAAAAAAAABkAAAAAAAAAH9/fwAKAAAAHwAAAFQAAAAAAAAFAAAAAQAAAAAAAAAAAAAAAAAAAAAAAAAAAAAAAAAAAAAAAAAAAAAAAn9/fwAAAAADzMzMAMDA/wB/f38AAAAAAAAAAAAAAAAAAAAAAAAAAAAhAAAAGAAAABQAAADQAgAAsAEAAHA1AAC4CAAAEAAAACYAAAAIAAAAAAAAAAAAAAA="/>
+                <pr:smNativeData xmlns:pr="smNativeData" val="SMDATA_13_Zg2zYxMAAAAlAAAAZAAAAA8BAAAAkAAAAEgAAACQAAAASAAAAAAAAAABAAAAAAAAAAEAAABQAAAAAAAAAAAA4D8AAAAAAADgPwAAAAAAAOA/AAAAAAAA4D8AAAAAAADgPwAAAAAAAOA/AAAAAAAA4D8AAAAAAADgPwAAAAAAAOA/AAAAAAAA4D8CAAAAjAAAAAAAAAAAAAAAu+DjDP///wgAAAAAAAAAAAAAAAAAAAAAAAAAAAAAAAAAAAAAZAAAAAEAAABAAAAAAAAAAAAAAAAAAAAAAAAAAAAAAAAAAAAAAAAAAAAAAAAAAAAAAAAAAAAAAAAAAAAAAAAAAAAAAAAAAAAAAAAAAAAAAAAAAAAAAAAAAAAAAAAAAAAAFAAAADwAAAAAAAAAAAAAAAAAAAkUAAAAAQAAABQAAAAUAAAAFAAAAAEAAAAAAAAAZAAAAGQAAAAAAAAAZAAAAGQAAAAVAAAAYAAAAAAAAAAAAAAADwAAACADAAAAAAAAAAAAAAEAAACgMgAAVgcAAKr4//8BAAAAf39/AAEAAABkAAAAAAAAABQAAABAHwAAAAAAACYAAAAAAAAAwOD//wAAAAAmAAAAZAAAABYAAABMAAAAAAAAAAAAAAAEAAAAAAAAAAEAAACAgIAKAAAAACgAAAAoAAAAZAAAAGQAAAAAAAAAzMzMAAAAAABQAAAAUAAAAGQAAABkAAAAAAAAABcAAAAUAAAAAAAAAAAAAAD/fwAA/38AAAAAAAAJAAAABAAAAE4AbwAMAAAAEAAAAAAAAAAAAAAAAAAAAAAAAAAeAAAAaAAAAAAAAAAAAAAAAAAAAAAAAAAAAAAAECcAABAnAAAAAAAAAAAAAAAAAAAAAAAAAAAAAAAAAAAAAAAAAAAAABQAAAAAAAAAwMD/AAAAAABkAAAAMgAAAAAAAABkAAAAAAAAAH9/fwAKAAAAHwAAAFQAAAAAAAAFAAAAAQAAAAAAAAAAAAAAAAAAAAAAAAAAAAAAAAAAAAAAAAAAAAAAAn9/fwAAAAADzMzMAMDA/wB/f38AAAAAAAAAAAAAAAAAAAAAAAAAAAAhAAAAGAAAABQAAADQAgAAsAEAAHA1AAC4CAAAEAAAACYAAAAIAAAAAAAAAAAAAAA="/>
               </a:ext>
             </a:extLst>
           </p:cNvSpPr>
@@ -847,7 +848,7 @@
             <a:spLocks noGrp="1" noChangeArrowheads="1"/>
             <a:extLst>
               <a:ext uri="smNativeData">
-                <pr:smNativeData xmlns:pr="smNativeData" val="SMDATA_13_4y+yYxMAAAAlAAAAZAAAAA8BAAAAkAAAAEgAAACQAAAASAAAAAAAAAAAAAAAAAAAAAEAAABQAAAAAAAAAAAA4D8AAAAAAADgPwAAAAAAAOA/AAAAAAAA4D8AAAAAAADgPwAAAAAAAOA/AAAAAAAA4D8AAAAAAADgPwAAAAAAAOA/AAAAAAAA4D8CAAAAjAAAAAAAAAAAAAAAu+DjDP///wgAAAAAAAAAAAAAAAAAAAAAAAAAAAAAAAAAAAAAZAAAAAEAAABAAAAAAAAAAAAAAAAAAAAAAAAAAAAAAAAAAAAAAAAAAAAAAAAAAAAAAAAAAAAAAAAAAAAAAAAAAAAAAAAAAAAAAAAAAAAAAAAAAAAAAAAAAAAAAAAAAAAAFAAAADwAAAAAAAAAAAAAAAAAAAkUAAAAAQAAABQAAAAUAAAAFAAAAAEAAAAAAAAAZAAAAGQAAAAAAAAAZAAAAGQAAAAVAAAAYAAAAAAAAAAAAAAADwAAACADAAAAAAAAAAAAAAEAAACgMgAAVgcAAKr4//8BAAAAf39/AAEAAABkAAAAAAAAABQAAABAHwAAAAAAACYAAAAAAAAAwOD//wAAAAAmAAAAZAAAABYAAABMAAAAAAAAAAAAAAAEAAAAAAAAAAEAAACAgIAKAAAAACgAAAAoAAAAZAAAAGQAAAAAAAAAzMzMAAAAAABQAAAAUAAAAGQAAABkAAAAAAAAABcAAAAUAAAAAAAAAAAAAAD/fwAA/38AAAAAAAAJAAAABAAAAAAAAAAMAAAAEAAAAAAAAAAAAAAAAAAAAAAAAAAeAAAAaAAAAAAAAAAAAAAAAAAAAAAAAAAAAAAAECcAABAnAAAAAAAAAAAAAAAAAAAAAAAAAAAAAAAAAAAAAAAAAAAAABQAAAAAAAAAwMD/AAAAAABkAAAAMgAAAAAAAABkAAAAAAAAAH9/fwAKAAAAHwAAAFQAAAAAAAAFAAAAAQAAAAAAAAAAAAAAAAAAAAAAAAAAAAAAAAAAAAAAAAAAAAAAAn9/fwAAAAADzMzMAMDA/wB/f38AAAAAAAAAAAAAAAAAAAAAAAAAAAAhAAAAGAAAABQAAADQAgAA2AkAAHA1AACwJQAAEAAAACYAAAAIAAAAAAAAAAAAAAA="/>
+                <pr:smNativeData xmlns:pr="smNativeData" val="SMDATA_13_Zg2zYxMAAAAlAAAAZAAAAA8BAAAAkAAAAEgAAACQAAAASAAAAAAAAAAAAAAAAAAAAAEAAABQAAAAAAAAAAAA4D8AAAAAAADgPwAAAAAAAOA/AAAAAAAA4D8AAAAAAADgPwAAAAAAAOA/AAAAAAAA4D8AAAAAAADgPwAAAAAAAOA/AAAAAAAA4D8CAAAAjAAAAAAAAAAAAAAAu+DjDP///wgAAAAAAAAAAAAAAAAAAAAAAAAAAAAAAAAAAAAAZAAAAAEAAABAAAAAAAAAAAAAAAAAAAAAAAAAAAAAAAAAAAAAAAAAAAAAAAAAAAAAAAAAAAAAAAAAAAAAAAAAAAAAAAAAAAAAAAAAAAAAAAAAAAAAAAAAAAAAAAAAAAAAFAAAADwAAAAAAAAAAAAAAAAAAAkUAAAAAQAAABQAAAAUAAAAFAAAAAEAAAAAAAAAZAAAAGQAAAAAAAAAZAAAAGQAAAAVAAAAYAAAAAAAAAAAAAAADwAAACADAAAAAAAAAAAAAAEAAACgMgAAVgcAAKr4//8BAAAAf39/AAEAAABkAAAAAAAAABQAAABAHwAAAAAAACYAAAAAAAAAwOD//wAAAAAmAAAAZAAAABYAAABMAAAAAAAAAAAAAAAEAAAAAAAAAAEAAACAgIAKAAAAACgAAAAoAAAAZAAAAGQAAAAAAAAAzMzMAAAAAABQAAAAUAAAAGQAAABkAAAAAAAAABcAAAAUAAAAAAAAAAAAAAD/fwAA/38AAAAAAAAJAAAABAAAAAAAAAAMAAAAEAAAAAAAAAAAAAAAAAAAAAAAAAAeAAAAaAAAAAAAAAAAAAAAAAAAAAAAAAAAAAAAECcAABAnAAAAAAAAAAAAAAAAAAAAAAAAAAAAAAAAAAAAAAAAAAAAABQAAAAAAAAAwMD/AAAAAABkAAAAMgAAAAAAAABkAAAAAAAAAH9/fwAKAAAAHwAAAFQAAAAAAAAFAAAAAQAAAAAAAAAAAAAAAAAAAAAAAAAAAAAAAAAAAAAAAAAAAAAAAn9/fwAAAAADzMzMAMDA/wB/f38AAAAAAAAAAAAAAAAAAAAAAAAAAAAhAAAAGAAAABQAAADQAgAA2AkAAHA1AACwJQAAEAAAACYAAAAIAAAAAAAAAAAAAAA="/>
               </a:ext>
             </a:extLst>
           </p:cNvSpPr>
@@ -898,7 +899,7 @@
             <a:spLocks noGrp="1" noChangeArrowheads="1"/>
             <a:extLst>
               <a:ext uri="smNativeData">
-                <pr:smNativeData xmlns:pr="smNativeData" val="SMDATA_13_4y+yYxMAAAAlAAAAZAAAAA8BAAAAkAAAAEgAAACQAAAASAAAAAAAAAABAAAAAAAAAAEAAABQAAAAAAAAAAAA4D8AAAAAAADgPwAAAAAAAOA/AAAAAAAA4D8AAAAAAADgPwAAAAAAAOA/AAAAAAAA4D8AAAAAAADgPwAAAAAAAOA/AAAAAAAA4D8CAAAAjAAAAAAAAAAAAAAAu+DjDP///wgAAAAAAAAAAAAAAAAAAAAAAAAAAAAAAAAAAAAAZAAAAAEAAABAAAAAAAAAAAAAAAAAAAAAAAAAAAAAAAAAAAAAAAAAAAAAAAAAAAAAAAAAAAAAAAAAAAAAAAAAAAAAAAAAAAAAAAAAAAAAAAAAAAAAAAAAAAAAAAAAAAAAFAAAADwAAAAAAAAAAAAAAAAAAAkUAAAAAQAAABQAAAAUAAAAFAAAAAEAAAAAAAAAZAAAAGQAAAAAAAAAZAAAAGQAAAAVAAAAYAAAAAAAAAAAAAAADwAAACADAAAAAAAAAAAAAAEAAACgMgAAVgcAAKr4//8BAAAAf39/AAEAAABkAAAAAAAAABQAAABAHwAAAAAAACYAAAAAAAAAwOD//wAAAAAmAAAAZAAAABYAAABMAAAAAAAAAAAAAAAEAAAAAAAAAAEAAACAgIAKAAAAACgAAAAoAAAAZAAAAGQAAAAAAAAAzMzMAAAAAABQAAAAUAAAAGQAAABkAAAAAAAAABcAAAAUAAAAAAAAAAAAAAD/fwAA/38AAAAAAAAJAAAABAAAAFwAQwAMAAAAEAAAAAAAAAAAAAAAAAAAAAAAAAAeAAAAaAAAAAAAAAAAAAAAAAAAAAAAAAAAAAAAECcAABAnAAAAAAAAAAAAAAAAAAAAAAAAAAAAAAAAAAAAAAAAAAAAABQAAAAAAAAAwMD/AAAAAABkAAAAMgAAAAAAAABkAAAAAAAAAH9/fwAKAAAAHwAAAFQAAAAAAAAFAAAAAQAAAAAAAAAAAAAAAAAAAAAAAAAAAAAAAAAAAAAAAAAAAAAAAn9/fwAAAAADzMzMAMDA/wB/f38AAAAAAAAAAAAAAAAAAAAAAAAAAAAhAAAAGAAAABQAAADQAgAAGycAAPAPAABZKQAAEAAAACYAAAAIAAAAAAAAAAAAAAA="/>
+                <pr:smNativeData xmlns:pr="smNativeData" val="SMDATA_13_Zg2zYxMAAAAlAAAAZAAAAA8BAAAAkAAAAEgAAACQAAAASAAAAAAAAAABAAAAAAAAAAEAAABQAAAAAAAAAAAA4D8AAAAAAADgPwAAAAAAAOA/AAAAAAAA4D8AAAAAAADgPwAAAAAAAOA/AAAAAAAA4D8AAAAAAADgPwAAAAAAAOA/AAAAAAAA4D8CAAAAjAAAAAAAAAAAAAAAu+DjDP///wgAAAAAAAAAAAAAAAAAAAAAAAAAAAAAAAAAAAAAZAAAAAEAAABAAAAAAAAAAAAAAAAAAAAAAAAAAAAAAAAAAAAAAAAAAAAAAAAAAAAAAAAAAAAAAAAAAAAAAAAAAAAAAAAAAAAAAAAAAAAAAAAAAAAAAAAAAAAAAAAAAAAAFAAAADwAAAAAAAAAAAAAAAAAAAkUAAAAAQAAABQAAAAUAAAAFAAAAAEAAAAAAAAAZAAAAGQAAAAAAAAAZAAAAGQAAAAVAAAAYAAAAAAAAAAAAAAADwAAACADAAAAAAAAAAAAAAEAAACgMgAAVgcAAKr4//8BAAAAf39/AAEAAABkAAAAAAAAABQAAABAHwAAAAAAACYAAAAAAAAAwOD//wAAAAAmAAAAZAAAABYAAABMAAAAAAAAAAAAAAAEAAAAAAAAAAEAAACAgIAKAAAAACgAAAAoAAAAZAAAAGQAAAAAAAAAzMzMAAAAAABQAAAAUAAAAGQAAABkAAAAAAAAABcAAAAUAAAAAAAAAAAAAAD/fwAA/38AAAAAAAAJAAAABAAAAFwAQwAMAAAAEAAAAAAAAAAAAAAAAAAAAAAAAAAeAAAAaAAAAAAAAAAAAAAAAAAAAAAAAAAAAAAAECcAABAnAAAAAAAAAAAAAAAAAAAAAAAAAAAAAAAAAAAAAAAAAAAAABQAAAAAAAAAwMD/AAAAAABkAAAAMgAAAAAAAABkAAAAAAAAAH9/fwAKAAAAHwAAAFQAAAAAAAAFAAAAAQAAAAAAAAAAAAAAAAAAAAAAAAAAAAAAAAAAAAAAAAAAAAAAAn9/fwAAAAADzMzMAMDA/wB/f38AAAAAAAAAAAAAAAAAAAAAAAAAAAAhAAAAGAAAABQAAADQAgAAGycAAPAPAABZKQAAEAAAACYAAAAIAAAAAAAAAAAAAAA="/>
               </a:ext>
             </a:extLst>
           </p:cNvSpPr>
@@ -912,7 +913,7 @@
           <a:lstStyle/>
           <a:p>
             <a:pPr/>
-            <a:fld id="{0608CCB0-FEEB-5D3A-A5B0-086F82FE535D}" type="datetime1">
+            <a:fld id="{03A9F219-57EE-FC04-A011-A151BC5F56F4}" type="datetime1">
               <a:t/>
             </a:fld>
           </a:p>
@@ -925,7 +926,7 @@
             <a:spLocks noGrp="1" noChangeArrowheads="1"/>
             <a:extLst>
               <a:ext uri="smNativeData">
-                <pr:smNativeData xmlns:pr="smNativeData" val="SMDATA_13_4y+yYxMAAAAlAAAAZAAAAA8BAAAAkAAAAEgAAACQAAAASAAAAAAAAAABAAAAAAAAAAEAAABQAAAAAAAAAAAA4D8AAAAAAADgPwAAAAAAAOA/AAAAAAAA4D8AAAAAAADgPwAAAAAAAOA/AAAAAAAA4D8AAAAAAADgPwAAAAAAAOA/AAAAAAAA4D8CAAAAjAAAAAAAAAAAAAAAu+DjDP///wgAAAAAAAAAAAAAAAAAAAAAAAAAAAAAAAAAAAAAZAAAAAEAAABAAAAAAAAAAAAAAAAAAAAAAAAAAAAAAAAAAAAAAAAAAAAAAAAAAAAAAAAAAAAAAAAAAAAAAAAAAAAAAAAAAAAAAAAAAAAAAAAAAAAAAAAAAAAAAAAAAAAAFAAAADwAAAAAAAAAAAAAAAAAAAkUAAAAAQAAABQAAAAUAAAAFAAAAAEAAAAAAAAAZAAAAGQAAAAAAAAAZAAAAGQAAAAVAAAAYAAAAAAAAAAAAAAADwAAACADAAAAAAAAAAAAAAEAAACgMgAAVgcAAKr4//8BAAAAf39/AAEAAABkAAAAAAAAABQAAABAHwAAAAAAACYAAAAAAAAAwOD//wAAAAAmAAAAZAAAABYAAABMAAAAAAAAAAAAAAAEAAAAAAAAAAEAAACAgIAKAAAAACgAAAAoAAAAZAAAAGQAAAAAAAAAzMzMAAAAAABQAAAAUAAAAGQAAABkAAAAAAAAABcAAAAUAAAAAAAAAAAAAAD/fwAA/38AAAAAAAAJAAAABAAAAElJSf8MAAAAEAAAAAAAAAAAAAAAAAAAAAAAAAAeAAAAaAAAAAAAAAAAAAAAAAAAAAAAAAAAAAAAECcAABAnAAAAAAAAAAAAAAAAAAAAAAAAAAAAAAAAAAAAAAAAAAAAABQAAAAAAAAAwMD/AAAAAABkAAAAMgAAAAAAAABkAAAAAAAAAH9/fwAKAAAAHwAAAFQAAAAAAAAFAAAAAQAAAAAAAAAAAAAAAAAAAAAAAAAAAAAAAAAAAAAAAAAAAAAAAn9/fwAAAAADzMzMAMDA/wB/f38AAAAAAAAAAAAAAAAAAAAAAAAAAAAhAAAAGAAAABQAAAA4EwAAGycAAAglAABZKQAAEAAAACYAAAAIAAAAAAAAAAAAAAA="/>
+                <pr:smNativeData xmlns:pr="smNativeData" val="SMDATA_13_Zg2zYxMAAAAlAAAAZAAAAA8BAAAAkAAAAEgAAACQAAAASAAAAAAAAAABAAAAAAAAAAEAAABQAAAAAAAAAAAA4D8AAAAAAADgPwAAAAAAAOA/AAAAAAAA4D8AAAAAAADgPwAAAAAAAOA/AAAAAAAA4D8AAAAAAADgPwAAAAAAAOA/AAAAAAAA4D8CAAAAjAAAAAAAAAAAAAAAu+DjDP///wgAAAAAAAAAAAAAAAAAAAAAAAAAAAAAAAAAAAAAZAAAAAEAAABAAAAAAAAAAAAAAAAAAAAAAAAAAAAAAAAAAAAAAAAAAAAAAAAAAAAAAAAAAAAAAAAAAAAAAAAAAAAAAAAAAAAAAAAAAAAAAAAAAAAAAAAAAAAAAAAAAAAAFAAAADwAAAAAAAAAAAAAAAAAAAkUAAAAAQAAABQAAAAUAAAAFAAAAAEAAAAAAAAAZAAAAGQAAAAAAAAAZAAAAGQAAAAVAAAAYAAAAAAAAAAAAAAADwAAACADAAAAAAAAAAAAAAEAAACgMgAAVgcAAKr4//8BAAAAf39/AAEAAABkAAAAAAAAABQAAABAHwAAAAAAACYAAAAAAAAAwOD//wAAAAAmAAAAZAAAABYAAABMAAAAAAAAAAAAAAAEAAAAAAAAAAEAAACAgIAKAAAAACgAAAAoAAAAZAAAAGQAAAAAAAAAzMzMAAAAAABQAAAAUAAAAGQAAABkAAAAAAAAABcAAAAUAAAAAAAAAAAAAAD/fwAA/38AAAAAAAAJAAAABAAAAElJSf8MAAAAEAAAAAAAAAAAAAAAAAAAAAAAAAAeAAAAaAAAAAAAAAAAAAAAAAAAAAAAAAAAAAAAECcAABAnAAAAAAAAAAAAAAAAAAAAAAAAAAAAAAAAAAAAAAAAAAAAABQAAAAAAAAAwMD/AAAAAABkAAAAMgAAAAAAAABkAAAAAAAAAH9/fwAKAAAAHwAAAFQAAAAAAAAFAAAAAQAAAAAAAAAAAAAAAAAAAAAAAAAAAAAAAAAAAAAAAAAAAAAAAn9/fwAAAAADzMzMAMDA/wB/f38AAAAAAAAAAAAAAAAAAAAAAAAAAAAhAAAAGAAAABQAAAA4EwAAGycAAAglAABZKQAAEAAAACYAAAAIAAAAAAAAAAAAAAA="/>
               </a:ext>
             </a:extLst>
           </p:cNvSpPr>
@@ -949,7 +950,7 @@
             <a:spLocks noGrp="1" noChangeArrowheads="1"/>
             <a:extLst>
               <a:ext uri="smNativeData">
-                <pr:smNativeData xmlns:pr="smNativeData" val="SMDATA_13_4y+yYxMAAAAlAAAAZAAAAA8BAAAAkAAAAEgAAACQAAAASAAAAAAAAAABAAAAAAAAAAEAAABQAAAAAAAAAAAA4D8AAAAAAADgPwAAAAAAAOA/AAAAAAAA4D8AAAAAAADgPwAAAAAAAOA/AAAAAAAA4D8AAAAAAADgPwAAAAAAAOA/AAAAAAAA4D8CAAAAjAAAAAAAAAAAAAAAu+DjDP///wgAAAAAAAAAAAAAAAAAAAAAAAAAAAAAAAAAAAAAZAAAAAEAAABAAAAAAAAAAAAAAAAAAAAAAAAAAAAAAAAAAAAAAAAAAAAAAAAAAAAAAAAAAAAAAAAAAAAAAAAAAAAAAAAAAAAAAAAAAAAAAAAAAAAAAAAAAAAAAAAAAAAAFAAAADwAAAAAAAAAAAAAAAAAAAkUAAAAAQAAABQAAAAUAAAAFAAAAAEAAAAAAAAAZAAAAGQAAAAAAAAAZAAAAGQAAAAVAAAAYAAAAAAAAAAAAAAADwAAACADAAAAAAAAAAAAAAEAAACgMgAAVgcAAKr4//8BAAAAf39/AAEAAABkAAAAAAAAABQAAABAHwAAAAAAACYAAAAAAAAAwOD//wAAAAAmAAAAZAAAABYAAABMAAAAAAAAAAAAAAAEAAAAAAAAAAEAAACAgIAKAAAAACgAAAAoAAAAZAAAAGQAAAAAAAAAzMzMAAAAAABQAAAAUAAAAGQAAABkAAAAAAAAABcAAAAUAAAAAAAAAAAAAAD/fwAA/38AAAAAAAAJAAAABAAAAAAAAAAMAAAAEAAAAAAAAAAAAAAAAAAAAAAAAAAeAAAAaAAAAAAAAAAAAAAAAAAAAAAAAAAAAAAAECcAABAnAAAAAAAAAAAAAAAAAAAAAAAAAAAAAAAAAAAAAAAAAAAAABQAAAAAAAAAwMD/AAAAAABkAAAAMgAAAAAAAABkAAAAAAAAAH9/fwAKAAAAHwAAAFQAAAAAAAAFAAAAAQAAAAAAAAAAAAAAAAAAAAAAAAAAAAAAAAAAAAAAAAAAAAAAAn9/fwAAAAADzMzMAMDA/wB/f38AAAAAAAAAAAAAAAAAAAAAAAAAAAAhAAAAGAAAABQAAABQKAAAGycAAHA1AABZKQAAEAAAACYAAAAIAAAAAAAAAAAAAAA="/>
+                <pr:smNativeData xmlns:pr="smNativeData" val="SMDATA_13_Zg2zYxMAAAAlAAAAZAAAAA8BAAAAkAAAAEgAAACQAAAASAAAAAAAAAABAAAAAAAAAAEAAABQAAAAAAAAAAAA4D8AAAAAAADgPwAAAAAAAOA/AAAAAAAA4D8AAAAAAADgPwAAAAAAAOA/AAAAAAAA4D8AAAAAAADgPwAAAAAAAOA/AAAAAAAA4D8CAAAAjAAAAAAAAAAAAAAAu+DjDP///wgAAAAAAAAAAAAAAAAAAAAAAAAAAAAAAAAAAAAAZAAAAAEAAABAAAAAAAAAAAAAAAAAAAAAAAAAAAAAAAAAAAAAAAAAAAAAAAAAAAAAAAAAAAAAAAAAAAAAAAAAAAAAAAAAAAAAAAAAAAAAAAAAAAAAAAAAAAAAAAAAAAAAFAAAADwAAAAAAAAAAAAAAAAAAAkUAAAAAQAAABQAAAAUAAAAFAAAAAEAAAAAAAAAZAAAAGQAAAAAAAAAZAAAAGQAAAAVAAAAYAAAAAAAAAAAAAAADwAAACADAAAAAAAAAAAAAAEAAACgMgAAVgcAAKr4//8BAAAAf39/AAEAAABkAAAAAAAAABQAAABAHwAAAAAAACYAAAAAAAAAwOD//wAAAAAmAAAAZAAAABYAAABMAAAAAAAAAAAAAAAEAAAAAAAAAAEAAACAgIAKAAAAACgAAAAoAAAAZAAAAGQAAAAAAAAAzMzMAAAAAABQAAAAUAAAAGQAAABkAAAAAAAAABcAAAAUAAAAAAAAAAAAAAD/fwAA/38AAAAAAAAJAAAABAAAAAAAAAAMAAAAEAAAAAAAAAAAAAAAAAAAAAAAAAAeAAAAaAAAAAAAAAAAAAAAAAAAAAAAAAAAAAAAECcAABAnAAAAAAAAAAAAAAAAAAAAAAAAAAAAAAAAAAAAAAAAAAAAABQAAAAAAAAAwMD/AAAAAABkAAAAMgAAAAAAAABkAAAAAAAAAH9/fwAKAAAAHwAAAFQAAAAAAAAFAAAAAQAAAAAAAAAAAAAAAAAAAAAAAAAAAAAAAAAAAAAAAAAAAAAAAn9/fwAAAAADzMzMAMDA/wB/f38AAAAAAAAAAAAAAAAAAAAAAAAAAAAhAAAAGAAAABQAAABQKAAAGycAAHA1AABZKQAAEAAAACYAAAAIAAAAAAAAAAAAAAA="/>
               </a:ext>
             </a:extLst>
           </p:cNvSpPr>
@@ -963,7 +964,7 @@
           <a:lstStyle/>
           <a:p>
             <a:pPr/>
-            <a:fld id="{0608DEFA-B4EB-5D28-A5B0-427D90FE5317}" type="slidenum">
+            <a:fld id="{03A9FB78-36EE-FC0D-A011-C058B55F5695}" type="slidenum">
               <a:t/>
             </a:fld>
           </a:p>
@@ -1001,7 +1002,7 @@
             <a:spLocks noGrp="1" noChangeArrowheads="1"/>
             <a:extLst>
               <a:ext uri="smNativeData">
-                <pr:smNativeData xmlns:pr="smNativeData" val="SMDATA_13_4y+yYxMAAAAlAAAAZAAAAA8BAAAAkAAAAEgAAACQAAAASAAAAAAAAAAAAAAAAAAAAAEAAABQAAAAAAAAAAAA4D8AAAAAAADgPwAAAAAAAOA/AAAAAAAA4D8AAAAAAADgPwAAAAAAAOA/AAAAAAAA4D8AAAAAAADgPwAAAAAAAOA/AAAAAAAA4D8CAAAAjAAAAAAAAAAAAAAAu+DjDP///wgAAAAAAAAAAAAAAAAAAAAAAAAAAAAAAAAAAAAAZAAAAAEAAABAAAAAAAAAAAAAAAAAAAAAAAAAAAAAAAAAAAAAAAAAAAAAAAAAAAAAAAAAAAAAAAAAAAAAAAAAAAAAAAAAAAAAAAAAAAAAAAAAAAAAAAAAAAAAAAAAAAAAFAAAADwAAAAAAAAAAAAAAAAAAAkUAAAAAQAAABQAAAAUAAAAFAAAAAEAAAAAAAAAZAAAAGQAAAAAAAAAZAAAAGQAAAAVAAAAYAAAAAAAAAAAAAAADwAAACADAAAAAAAAAAAAAAEAAACgMgAAVgcAAKr4//8BAAAAf39/AAEAAABkAAAAAAAAABQAAABAHwAAAAAAACYAAAAAAAAAwOD//wAAAAAmAAAAZAAAABYAAABMAAAAAAAAAAAAAAAEAAAAAAAAAAEAAACAgIAKAAAAACgAAAAoAAAAZAAAAGQAAAAAAAAAzMzMAAAAAABQAAAAUAAAAGQAAABkAAAAAAAAABcAAAAUAAAAAAAAAAAAAAD/fwAA/38AAAAAAAAJAAAABAAAAAAAAAAMAAAAEAAAAAAAAAAAAAAAAAAAAAAAAAAeAAAAaAAAAAAAAAAAAAAAAAAAAAAAAAAAAAAAECcAABAnAAAAAAAAAAAAAAAAAAAAAAAAAAAAAAAAAAAAAAAAAAAAABQAAAAAAAAAwMD/AAAAAABkAAAAMgAAAAAAAABkAAAAAAAAAH9/fwAKAAAAHwAAAFQAAAAAAAAFAAAAAQAAAAAAAAAAAAAAAAAAAAAAAAAAAAAAAAAAAAAAAAAAAAAAAn9/fwAAAAADzMzMAMDA/wB/f38AAAAAAAAAAAAAAAAAAAAAAAAAAAAhAAAAGAAAABQAAAByBAAAHBsAAEI0AAB9IwAAEAAAACYAAAAIAAAAgYAAAAAAAAA="/>
+                <pr:smNativeData xmlns:pr="smNativeData" val="SMDATA_13_Zg2zYxMAAAAlAAAAZAAAAA8BAAAAkAAAAEgAAACQAAAASAAAAAAAAAAAAAAAAAAAAAEAAABQAAAAAAAAAAAA4D8AAAAAAADgPwAAAAAAAOA/AAAAAAAA4D8AAAAAAADgPwAAAAAAAOA/AAAAAAAA4D8AAAAAAADgPwAAAAAAAOA/AAAAAAAA4D8CAAAAjAAAAAAAAAAAAAAAu+DjDP///wgAAAAAAAAAAAAAAAAAAAAAAAAAAAAAAAAAAAAAZAAAAAEAAABAAAAAAAAAAAAAAAAAAAAAAAAAAAAAAAAAAAAAAAAAAAAAAAAAAAAAAAAAAAAAAAAAAAAAAAAAAAAAAAAAAAAAAAAAAAAAAAAAAAAAAAAAAAAAAAAAAAAAFAAAADwAAAAAAAAAAAAAAAAAAAkUAAAAAQAAABQAAAAUAAAAFAAAAAEAAAAAAAAAZAAAAGQAAAAAAAAAZAAAAGQAAAAVAAAAYAAAAAAAAAAAAAAADwAAACADAAAAAAAAAAAAAAEAAACgMgAAVgcAAKr4//8BAAAAf39/AAEAAABkAAAAAAAAABQAAABAHwAAAAAAACYAAAAAAAAAwOD//wAAAAAmAAAAZAAAABYAAABMAAAAAAAAAAAAAAAEAAAAAAAAAAEAAACAgIAKAAAAACgAAAAoAAAAZAAAAGQAAAAAAAAAzMzMAAAAAABQAAAAUAAAAGQAAABkAAAAAAAAABcAAAAUAAAAAAAAAAAAAAD/fwAA/38AAAAAAAAJAAAABAAAAAAAAAAMAAAAEAAAAAAAAAAAAAAAAAAAAAAAAAAeAAAAaAAAAAAAAAAAAAAAAAAAAAAAAAAAAAAAECcAABAnAAAAAAAAAAAAAAAAAAAAAAAAAAAAAAAAAAAAAAAAAAAAABQAAAAAAAAAwMD/AAAAAABkAAAAMgAAAAAAAABkAAAAAAAAAH9/fwAKAAAAHwAAAFQAAAAAAAAFAAAAAQAAAAAAAAAAAAAAAAAAAAAAAAAAAAAAAAAAAAAAAAAAAAAAAn9/fwAAAAADzMzMAMDA/wB/f38AAAAAAAAAAAAAAAAAAAAAAAAAAAAhAAAAGAAAABQAAAByBAAAHBsAAEI0AAB9IwAAEAAAACYAAAAIAAAAgYAAAAAAAAA="/>
               </a:ext>
             </a:extLst>
           </p:cNvSpPr>
@@ -1043,7 +1044,7 @@
             <a:spLocks noGrp="1" noChangeArrowheads="1"/>
             <a:extLst>
               <a:ext uri="smNativeData">
-                <pr:smNativeData xmlns:pr="smNativeData" val="SMDATA_13_4y+yYxMAAAAlAAAAZAAAAA8BAAAAkAAAAEgAAACQAAAASAAAAAAAAAACAAAAAAAAAAEAAABQAAAAAAAAAAAA4D8AAAAAAADgPwAAAAAAAOA/AAAAAAAA4D8AAAAAAADgPwAAAAAAAOA/AAAAAAAA4D8AAAAAAADgPwAAAAAAAOA/AAAAAAAA4D8CAAAAjAAAAAAAAAAAAAAAu+DjDP///wgAAAAAAAAAAAAAAAAAAAAAAAAAAAAAAAAAAAAAZAAAAAEAAABAAAAAAAAAAAAAAAAAAAAAAAAAAAAAAAAAAAAAAAAAAAAAAAAAAAAAAAAAAAAAAAAAAAAAAAAAAAAAAAAAAAAAAAAAAAAAAAAAAAAAAAAAAAAAAAAAAAAAFAAAADwAAAAAAAAAAAAAAAAAAAkUAAAAAQAAABQAAAAUAAAAFAAAAAEAAAAAAAAAZAAAAGQAAAAAAAAAZAAAAGQAAAAVAAAAYAAAAAAAAAAAAAAADwAAACADAAAAAAAAAAAAAAEAAACgMgAAVgcAAKr4//8BAAAAf39/AAEAAABkAAAAAAAAABQAAABAHwAAAAAAACYAAAAAAAAAwOD//wAAAAAmAAAAZAAAABYAAABMAAAAAAAAAAAAAAAEAAAAAAAAAAEAAACAgIAKAAAAACgAAAAoAAAAZAAAAGQAAAAAAAAAzMzMAAAAAABQAAAAUAAAAGQAAABkAAAAAAAAABcAAAAUAAAAAAAAAAAAAAD/fwAA/38AAAAAAAAJAAAABAAAAO3FAwAMAAAAEAAAAAAAAAAAAAAAAAAAAAAAAAAeAAAAaAAAAAAAAAAAAAAAAAAAAAAAAAAAAAAAECcAABAnAAAAAAAAAAAAAAAAAAAAAAAAAAAAAAAAAAAAAAAAAAAAABQAAAAAAAAAwMD/AAAAAABkAAAAMgAAAAAAAABkAAAAAAAAAH9/fwAKAAAAHwAAAFQAAAAAAAAFAAAAAQAAAAAAAAAAAAAAAAAAAAAAAAAAAAAAAAAAAAAAAAAAAAAAAn9/fwAAAAADzMzMAMDA/wB/f38AAAAAAAAAAAAAAAAAAAAAAAAAAAAhAAAAGAAAABQAAAByBAAA4REAAEI0AAAcGwAAEAAAACYAAAAIAAAAgYAAAAAAAAA="/>
+                <pr:smNativeData xmlns:pr="smNativeData" val="SMDATA_13_Zg2zYxMAAAAlAAAAZAAAAA8BAAAAkAAAAEgAAACQAAAASAAAAAAAAAACAAAAAAAAAAEAAABQAAAAAAAAAAAA4D8AAAAAAADgPwAAAAAAAOA/AAAAAAAA4D8AAAAAAADgPwAAAAAAAOA/AAAAAAAA4D8AAAAAAADgPwAAAAAAAOA/AAAAAAAA4D8CAAAAjAAAAAAAAAAAAAAAu+DjDP///wgAAAAAAAAAAAAAAAAAAAAAAAAAAAAAAAAAAAAAZAAAAAEAAABAAAAAAAAAAAAAAAAAAAAAAAAAAAAAAAAAAAAAAAAAAAAAAAAAAAAAAAAAAAAAAAAAAAAAAAAAAAAAAAAAAAAAAAAAAAAAAAAAAAAAAAAAAAAAAAAAAAAAFAAAADwAAAAAAAAAAAAAAAAAAAkUAAAAAQAAABQAAAAUAAAAFAAAAAEAAAAAAAAAZAAAAGQAAAAAAAAAZAAAAGQAAAAVAAAAYAAAAAAAAAAAAAAADwAAACADAAAAAAAAAAAAAAEAAACgMgAAVgcAAKr4//8BAAAAf39/AAEAAABkAAAAAAAAABQAAABAHwAAAAAAACYAAAAAAAAAwOD//wAAAAAmAAAAZAAAABYAAABMAAAAAAAAAAAAAAAEAAAAAAAAAAEAAACAgIAKAAAAACgAAAAoAAAAZAAAAGQAAAAAAAAAzMzMAAAAAABQAAAAUAAAAGQAAABkAAAAAAAAABcAAAAUAAAAAAAAAAAAAAD/fwAA/38AAAAAAAAJAAAABAAAAO3FAwAMAAAAEAAAAAAAAAAAAAAAAAAAAAAAAAAeAAAAaAAAAAAAAAAAAAAAAAAAAAAAAAAAAAAAECcAABAnAAAAAAAAAAAAAAAAAAAAAAAAAAAAAAAAAAAAAAAAAAAAABQAAAAAAAAAwMD/AAAAAABkAAAAMgAAAAAAAABkAAAAAAAAAH9/fwAKAAAAHwAAAFQAAAAAAAAFAAAAAQAAAAAAAAAAAAAAAAAAAAAAAAAAAAAAAAAAAAAAAAAAAAAAAn9/fwAAAAADzMzMAMDA/wB/f38AAAAAAAAAAAAAAAAAAAAAAAAAAAAhAAAAGAAAABQAAAByBAAA4REAAEI0AAAcGwAAEAAAACYAAAAIAAAAgYAAAAAAAAA="/>
               </a:ext>
             </a:extLst>
           </p:cNvSpPr>
@@ -1116,7 +1117,7 @@
             <a:spLocks noGrp="1" noChangeArrowheads="1"/>
             <a:extLst>
               <a:ext uri="smNativeData">
-                <pr:smNativeData xmlns:pr="smNativeData" val="SMDATA_13_4y+yYxMAAAAlAAAAZAAAAA8BAAAAkAAAAEgAAACQAAAASAAAAAAAAAABAAAAAAAAAAEAAABQAAAAAAAAAAAA4D8AAAAAAADgPwAAAAAAAOA/AAAAAAAA4D8AAAAAAADgPwAAAAAAAOA/AAAAAAAA4D8AAAAAAADgPwAAAAAAAOA/AAAAAAAA4D8CAAAAjAAAAAAAAAAAAAAAu+DjDP///wgAAAAAAAAAAAAAAAAAAAAAAAAAAAAAAAAAAAAAZAAAAAEAAABAAAAAAAAAAAAAAAAAAAAAAAAAAAAAAAAAAAAAAAAAAAAAAAAAAAAAAAAAAAAAAAAAAAAAAAAAAAAAAAAAAAAAAAAAAAAAAAAAAAAAAAAAAAAAAAAAAAAAFAAAADwAAAAAAAAAAAAAAAAAAAkUAAAAAQAAABQAAAAUAAAAFAAAAAEAAAAAAAAAZAAAAGQAAAAAAAAAZAAAAGQAAAAVAAAAYAAAAAAAAAAAAAAADwAAACADAAAAAAAAAAAAAAEAAACgMgAAVgcAAKr4//8BAAAAf39/AAEAAABkAAAAAAAAABQAAABAHwAAAAAAACYAAAAAAAAAwOD//wAAAAAmAAAAZAAAABYAAABMAAAAAAAAAAAAAAAEAAAAAAAAAAEAAACAgIAKAAAAACgAAAAoAAAAZAAAAGQAAAAAAAAAzMzMAAAAAABQAAAAUAAAAGQAAABkAAAAAAAAABcAAAAUAAAAAAAAAAAAAAD/fwAA/38AAAAAAAAJAAAABAAAAPBC34oMAAAAEAAAAAAAAAAAAAAAAAAAAAAAAAAeAAAAaAAAAAAAAAAAAAAAAAAAAAAAAAAAAAAAECcAABAnAAAAAAAAAAAAAAAAAAAAAAAAAAAAAAAAAAAAAAAAAAAAABQAAAAAAAAAwMD/AAAAAABkAAAAMgAAAAAAAABkAAAAAAAAAH9/fwAKAAAAHwAAAFQAAAAAAAAFAAAAAQAAAAAAAAAAAAAAAAAAAAAAAAAAAAAAAAAAAAAAAAAAAAAAAn9/fwAAAAADzMzMAMDA/wB/f38AAAAAAAAAAAAAAAAAAAAAAAAAAAAhAAAAGAAAABQAAADQAgAAGycAAPAPAABZKQAAEAAAACYAAAAIAAAAAAAAAAAAAAA="/>
+                <pr:smNativeData xmlns:pr="smNativeData" val="SMDATA_13_Zg2zYxMAAAAlAAAAZAAAAA8BAAAAkAAAAEgAAACQAAAASAAAAAAAAAABAAAAAAAAAAEAAABQAAAAAAAAAAAA4D8AAAAAAADgPwAAAAAAAOA/AAAAAAAA4D8AAAAAAADgPwAAAAAAAOA/AAAAAAAA4D8AAAAAAADgPwAAAAAAAOA/AAAAAAAA4D8CAAAAjAAAAAAAAAAAAAAAu+DjDP///wgAAAAAAAAAAAAAAAAAAAAAAAAAAAAAAAAAAAAAZAAAAAEAAABAAAAAAAAAAAAAAAAAAAAAAAAAAAAAAAAAAAAAAAAAAAAAAAAAAAAAAAAAAAAAAAAAAAAAAAAAAAAAAAAAAAAAAAAAAAAAAAAAAAAAAAAAAAAAAAAAAAAAFAAAADwAAAAAAAAAAAAAAAAAAAkUAAAAAQAAABQAAAAUAAAAFAAAAAEAAAAAAAAAZAAAAGQAAAAAAAAAZAAAAGQAAAAVAAAAYAAAAAAAAAAAAAAADwAAACADAAAAAAAAAAAAAAEAAACgMgAAVgcAAKr4//8BAAAAf39/AAEAAABkAAAAAAAAABQAAABAHwAAAAAAACYAAAAAAAAAwOD//wAAAAAmAAAAZAAAABYAAABMAAAAAAAAAAAAAAAEAAAAAAAAAAEAAACAgIAKAAAAACgAAAAoAAAAZAAAAGQAAAAAAAAAzMzMAAAAAABQAAAAUAAAAGQAAABkAAAAAAAAABcAAAAUAAAAAAAAAAAAAAD/fwAA/38AAAAAAAAJAAAABAAAAPBC34oMAAAAEAAAAAAAAAAAAAAAAAAAAAAAAAAeAAAAaAAAAAAAAAAAAAAAAAAAAAAAAAAAAAAAECcAABAnAAAAAAAAAAAAAAAAAAAAAAAAAAAAAAAAAAAAAAAAAAAAABQAAAAAAAAAwMD/AAAAAABkAAAAMgAAAAAAAABkAAAAAAAAAH9/fwAKAAAAHwAAAFQAAAAAAAAFAAAAAQAAAAAAAAAAAAAAAAAAAAAAAAAAAAAAAAAAAAAAAAAAAAAAAn9/fwAAAAADzMzMAMDA/wB/f38AAAAAAAAAAAAAAAAAAAAAAAAAAAAhAAAAGAAAABQAAADQAgAAGycAAPAPAABZKQAAEAAAACYAAAAIAAAAAAAAAAAAAAA="/>
               </a:ext>
             </a:extLst>
           </p:cNvSpPr>
@@ -1130,7 +1131,7 @@
           <a:lstStyle/>
           <a:p>
             <a:pPr/>
-            <a:fld id="{06088FA8-E6EB-5D79-A5B0-102CC1FE5345}" type="datetime1">
+            <a:fld id="{03A99C84-CAEE-FC6A-A011-3C3FD25F5669}" type="datetime1">
               <a:t/>
             </a:fld>
           </a:p>
@@ -1143,7 +1144,7 @@
             <a:spLocks noGrp="1" noChangeArrowheads="1"/>
             <a:extLst>
               <a:ext uri="smNativeData">
-                <pr:smNativeData xmlns:pr="smNativeData" val="SMDATA_13_4y+yYxMAAAAlAAAAZAAAAA8BAAAAkAAAAEgAAACQAAAASAAAAAAAAAABAAAAAAAAAAEAAABQAAAAAAAAAAAA4D8AAAAAAADgPwAAAAAAAOA/AAAAAAAA4D8AAAAAAADgPwAAAAAAAOA/AAAAAAAA4D8AAAAAAADgPwAAAAAAAOA/AAAAAAAA4D8CAAAAjAAAAAAAAAAAAAAAu+DjDP///wgAAAAAAAAAAAAAAAAAAAAAAAAAAAAAAAAAAAAAZAAAAAEAAABAAAAAAAAAAAAAAAAAAAAAAAAAAAAAAAAAAAAAAAAAAAAAAAAAAAAAAAAAAAAAAAAAAAAAAAAAAAAAAAAAAAAAAAAAAAAAAAAAAAAAAAAAAAAAAAAAAAAAFAAAADwAAAAAAAAAAAAAAAAAAAkUAAAAAQAAABQAAAAUAAAAFAAAAAEAAAAAAAAAZAAAAGQAAAAAAAAAZAAAAGQAAAAVAAAAYAAAAAAAAAAAAAAADwAAACADAAAAAAAAAAAAAAEAAACgMgAAVgcAAKr4//8BAAAAf39/AAEAAABkAAAAAAAAABQAAABAHwAAAAAAACYAAAAAAAAAwOD//wAAAAAmAAAAZAAAABYAAABMAAAAAAAAAAAAAAAEAAAAAAAAAAEAAACAgIAKAAAAACgAAAAoAAAAZAAAAGQAAAAAAAAAzMzMAAAAAABQAAAAUAAAAGQAAABkAAAAAAAAABcAAAAUAAAAAAAAAAAAAAD/fwAA/38AAAAAAAAJAAAABAAAANMZJUQMAAAAEAAAAAAAAAAAAAAAAAAAAAAAAAAeAAAAaAAAAAAAAAAAAAAAAAAAAAAAAAAAAAAAECcAABAnAAAAAAAAAAAAAAAAAAAAAAAAAAAAAAAAAAAAAAAAAAAAABQAAAAAAAAAwMD/AAAAAABkAAAAMgAAAAAAAABkAAAAAAAAAH9/fwAKAAAAHwAAAFQAAAAAAAAFAAAAAQAAAAAAAAAAAAAAAAAAAAAAAAAAAAAAAAAAAAAAAAAAAAAAAn9/fwAAAAADzMzMAMDA/wB/f38AAAAAAAAAAAAAAAAAAAAAAAAAAAAhAAAAGAAAABQAAAA4EwAAGycAAAglAABZKQAAEAAAACYAAAAIAAAAAAAAAAAAAAA="/>
+                <pr:smNativeData xmlns:pr="smNativeData" val="SMDATA_13_Zg2zYxMAAAAlAAAAZAAAAA8BAAAAkAAAAEgAAACQAAAASAAAAAAAAAABAAAAAAAAAAEAAABQAAAAAAAAAAAA4D8AAAAAAADgPwAAAAAAAOA/AAAAAAAA4D8AAAAAAADgPwAAAAAAAOA/AAAAAAAA4D8AAAAAAADgPwAAAAAAAOA/AAAAAAAA4D8CAAAAjAAAAAAAAAAAAAAAu+DjDP///wgAAAAAAAAAAAAAAAAAAAAAAAAAAAAAAAAAAAAAZAAAAAEAAABAAAAAAAAAAAAAAAAAAAAAAAAAAAAAAAAAAAAAAAAAAAAAAAAAAAAAAAAAAAAAAAAAAAAAAAAAAAAAAAAAAAAAAAAAAAAAAAAAAAAAAAAAAAAAAAAAAAAAFAAAADwAAAAAAAAAAAAAAAAAAAkUAAAAAQAAABQAAAAUAAAAFAAAAAEAAAAAAAAAZAAAAGQAAAAAAAAAZAAAAGQAAAAVAAAAYAAAAAAAAAAAAAAADwAAACADAAAAAAAAAAAAAAEAAACgMgAAVgcAAKr4//8BAAAAf39/AAEAAABkAAAAAAAAABQAAABAHwAAAAAAACYAAAAAAAAAwOD//wAAAAAmAAAAZAAAABYAAABMAAAAAAAAAAAAAAAEAAAAAAAAAAEAAACAgIAKAAAAACgAAAAoAAAAZAAAAGQAAAAAAAAAzMzMAAAAAABQAAAAUAAAAGQAAABkAAAAAAAAABcAAAAUAAAAAAAAAAAAAAD/fwAA/38AAAAAAAAJAAAABAAAANMZJUQMAAAAEAAAAAAAAAAAAAAAAAAAAAAAAAAeAAAAaAAAAAAAAAAAAAAAAAAAAAAAAAAAAAAAECcAABAnAAAAAAAAAAAAAAAAAAAAAAAAAAAAAAAAAAAAAAAAAAAAABQAAAAAAAAAwMD/AAAAAABkAAAAMgAAAAAAAABkAAAAAAAAAH9/fwAKAAAAHwAAAFQAAAAAAAAFAAAAAQAAAAAAAAAAAAAAAAAAAAAAAAAAAAAAAAAAAAAAAAAAAAAAAn9/fwAAAAADzMzMAMDA/wB/f38AAAAAAAAAAAAAAAAAAAAAAAAAAAAhAAAAGAAAABQAAAA4EwAAGycAAAglAABZKQAAEAAAACYAAAAIAAAAAAAAAAAAAAA="/>
               </a:ext>
             </a:extLst>
           </p:cNvSpPr>
@@ -1167,7 +1168,7 @@
             <a:spLocks noGrp="1" noChangeArrowheads="1"/>
             <a:extLst>
               <a:ext uri="smNativeData">
-                <pr:smNativeData xmlns:pr="smNativeData" val="SMDATA_13_4y+yYxMAAAAlAAAAZAAAAA8BAAAAkAAAAEgAAACQAAAASAAAAAAAAAABAAAAAAAAAAEAAABQAAAAAAAAAAAA4D8AAAAAAADgPwAAAAAAAOA/AAAAAAAA4D8AAAAAAADgPwAAAAAAAOA/AAAAAAAA4D8AAAAAAADgPwAAAAAAAOA/AAAAAAAA4D8CAAAAjAAAAAAAAAAAAAAAu+DjDP///wgAAAAAAAAAAAAAAAAAAAAAAAAAAAAAAAAAAAAAZAAAAAEAAABAAAAAAAAAAAAAAAAAAAAAAAAAAAAAAAAAAAAAAAAAAAAAAAAAAAAAAAAAAAAAAAAAAAAAAAAAAAAAAAAAAAAAAAAAAAAAAAAAAAAAAAAAAAAAAAAAAAAAFAAAADwAAAAAAAAAAAAAAAAAAAkUAAAAAQAAABQAAAAUAAAAFAAAAAEAAAAAAAAAZAAAAGQAAAAAAAAAZAAAAGQAAAAVAAAAYAAAAAAAAAAAAAAADwAAACADAAAAAAAAAAAAAAEAAACgMgAAVgcAAKr4//8BAAAAf39/AAEAAABkAAAAAAAAABQAAABAHwAAAAAAACYAAAAAAAAAwOD//wAAAAAmAAAAZAAAABYAAABMAAAAAAAAAAAAAAAEAAAAAAAAAAEAAACAgIAKAAAAACgAAAAoAAAAZAAAAGQAAAAAAAAAzMzMAAAAAABQAAAAUAAAAGQAAABkAAAAAAAAABcAAAAUAAAAAAAAAAAAAAD/fwAA/38AAAAAAAAJAAAABAAAAPhL+yIMAAAAEAAAAAAAAAAAAAAAAAAAAAAAAAAeAAAAaAAAAAAAAAAAAAAAAAAAAAAAAAAAAAAAECcAABAnAAAAAAAAAAAAAAAAAAAAAAAAAAAAAAAAAAAAAAAAAAAAABQAAAAAAAAAwMD/AAAAAABkAAAAMgAAAAAAAABkAAAAAAAAAH9/fwAKAAAAHwAAAFQAAAAAAAAFAAAAAQAAAAAAAAAAAAAAAAAAAAAAAAAAAAAAAAAAAAAAAAAAAAAAAn9/fwAAAAADzMzMAMDA/wB/f38AAAAAAAAAAAAAAAAAAAAAAAAAAAAhAAAAGAAAABQAAABQKAAAGycAAHA1AABZKQAAEAAAACYAAAAIAAAAAAAAAAAAAAA="/>
+                <pr:smNativeData xmlns:pr="smNativeData" val="SMDATA_13_Zg2zYxMAAAAlAAAAZAAAAA8BAAAAkAAAAEgAAACQAAAASAAAAAAAAAABAAAAAAAAAAEAAABQAAAAAAAAAAAA4D8AAAAAAADgPwAAAAAAAOA/AAAAAAAA4D8AAAAAAADgPwAAAAAAAOA/AAAAAAAA4D8AAAAAAADgPwAAAAAAAOA/AAAAAAAA4D8CAAAAjAAAAAAAAAAAAAAAu+DjDP///wgAAAAAAAAAAAAAAAAAAAAAAAAAAAAAAAAAAAAAZAAAAAEAAABAAAAAAAAAAAAAAAAAAAAAAAAAAAAAAAAAAAAAAAAAAAAAAAAAAAAAAAAAAAAAAAAAAAAAAAAAAAAAAAAAAAAAAAAAAAAAAAAAAAAAAAAAAAAAAAAAAAAAFAAAADwAAAAAAAAAAAAAAAAAAAkUAAAAAQAAABQAAAAUAAAAFAAAAAEAAAAAAAAAZAAAAGQAAAAAAAAAZAAAAGQAAAAVAAAAYAAAAAAAAAAAAAAADwAAACADAAAAAAAAAAAAAAEAAACgMgAAVgcAAKr4//8BAAAAf39/AAEAAABkAAAAAAAAABQAAABAHwAAAAAAACYAAAAAAAAAwOD//wAAAAAmAAAAZAAAABYAAABMAAAAAAAAAAAAAAAEAAAAAAAAAAEAAACAgIAKAAAAACgAAAAoAAAAZAAAAGQAAAAAAAAAzMzMAAAAAABQAAAAUAAAAGQAAABkAAAAAAAAABcAAAAUAAAAAAAAAAAAAAD/fwAA/38AAAAAAAAJAAAABAAAAPhL+yIMAAAAEAAAAAAAAAAAAAAAAAAAAAAAAAAeAAAAaAAAAAAAAAAAAAAAAAAAAAAAAAAAAAAAECcAABAnAAAAAAAAAAAAAAAAAAAAAAAAAAAAAAAAAAAAAAAAAAAAABQAAAAAAAAAwMD/AAAAAABkAAAAMgAAAAAAAABkAAAAAAAAAH9/fwAKAAAAHwAAAFQAAAAAAAAFAAAAAQAAAAAAAAAAAAAAAAAAAAAAAAAAAAAAAAAAAAAAAAAAAAAAAn9/fwAAAAADzMzMAMDA/wB/f38AAAAAAAAAAAAAAAAAAAAAAAAAAAAhAAAAGAAAABQAAABQKAAAGycAAHA1AABZKQAAEAAAACYAAAAIAAAAAAAAAAAAAAA="/>
               </a:ext>
             </a:extLst>
           </p:cNvSpPr>
@@ -1181,7 +1182,7 @@
           <a:lstStyle/>
           <a:p>
             <a:pPr/>
-            <a:fld id="{0608B698-D6EB-5D40-A5B0-2015F8FE5375}" type="slidenum">
+            <a:fld id="{03A9B71F-51EE-FC41-A011-A714F95F56F2}" type="slidenum">
               <a:t/>
             </a:fld>
           </a:p>
@@ -1219,7 +1220,7 @@
             <a:spLocks noGrp="1" noChangeArrowheads="1"/>
             <a:extLst>
               <a:ext uri="smNativeData">
-                <pr:smNativeData xmlns:pr="smNativeData" val="SMDATA_13_4y+yYxMAAAAlAAAAZAAAAA8BAAAAkAAAAEgAAACQAAAASAAAAAAAAAABAAAAAAAAAAEAAABQAAAAAAAAAAAA4D8AAAAAAADgPwAAAAAAAOA/AAAAAAAA4D8AAAAAAADgPwAAAAAAAOA/AAAAAAAA4D8AAAAAAADgPwAAAAAAAOA/AAAAAAAA4D8CAAAAjAAAAAAAAAAAAAAAu+DjDP///wgAAAAAAAAAAAAAAAAAAAAAAAAAAAAAAAAAAAAAZAAAAAEAAABAAAAAAAAAAAAAAAAAAAAAAAAAAAAAAAAAAAAAAAAAAAAAAAAAAAAAAAAAAAAAAAAAAAAAAAAAAAAAAAAAAAAAAAAAAAAAAAAAAAAAAAAAAAAAAAAAAAAAFAAAADwAAAAAAAAAAAAAAAAAAAkUAAAAAQAAABQAAAAUAAAAFAAAAAEAAAAAAAAAZAAAAGQAAAAAAAAAZAAAAGQAAAAVAAAAYAAAAAAAAAAAAAAADwAAACADAAAAAAAAAAAAAAEAAACgMgAAVgcAAKr4//8BAAAAf39/AAEAAABkAAAAAAAAABQAAABAHwAAAAAAACYAAAAAAAAAwOD//wAAAAAmAAAAZAAAABYAAABMAAAAAAAAAAAAAAAEAAAAAAAAAAEAAACAgIAKAAAAACgAAAAoAAAAZAAAAGQAAAAAAAAAzMzMAAAAAABQAAAAUAAAAGQAAABkAAAAAAAAABcAAAAUAAAAAAAAAAAAAAD/fwAA/38AAAAAAAAJAAAABAAAAAMAhj4MAAAAEAAAAAAAAAAAAAAAAAAAAAAAAAAeAAAAaAAAAAAAAAAAAAAAAAAAAAAAAAAAAAAAECcAABAnAAAAAAAAAAAAAAAAAAAAAAAAAAAAAAAAAAAAAAAAAAAAABQAAAAAAAAAwMD/AAAAAABkAAAAMgAAAAAAAABkAAAAAAAAAH9/fwAKAAAAHwAAAFQAAAAAAAAFAAAAAQAAAAAAAAAAAAAAAAAAAAAAAAAAAAAAAAAAAAAAAAAAAAAAAn9/fwAAAAADzMzMAMDA/wB/f38AAAAAAAAAAAAAAAAAAAAAAAAAAAAhAAAAGAAAABQAAADQAgAAsAEAAHA1AAC4CAAAEAAAACYAAAAIAAAAAAAAAAAAAAA="/>
+                <pr:smNativeData xmlns:pr="smNativeData" val="SMDATA_13_Zg2zYxMAAAAlAAAAZAAAAA8BAAAAkAAAAEgAAACQAAAASAAAAAAAAAABAAAAAAAAAAEAAABQAAAAAAAAAAAA4D8AAAAAAADgPwAAAAAAAOA/AAAAAAAA4D8AAAAAAADgPwAAAAAAAOA/AAAAAAAA4D8AAAAAAADgPwAAAAAAAOA/AAAAAAAA4D8CAAAAjAAAAAAAAAAAAAAAu+DjDP///wgAAAAAAAAAAAAAAAAAAAAAAAAAAAAAAAAAAAAAZAAAAAEAAABAAAAAAAAAAAAAAAAAAAAAAAAAAAAAAAAAAAAAAAAAAAAAAAAAAAAAAAAAAAAAAAAAAAAAAAAAAAAAAAAAAAAAAAAAAAAAAAAAAAAAAAAAAAAAAAAAAAAAFAAAADwAAAAAAAAAAAAAAAAAAAkUAAAAAQAAABQAAAAUAAAAFAAAAAEAAAAAAAAAZAAAAGQAAAAAAAAAZAAAAGQAAAAVAAAAYAAAAAAAAAAAAAAADwAAACADAAAAAAAAAAAAAAEAAACgMgAAVgcAAKr4//8BAAAAf39/AAEAAABkAAAAAAAAABQAAABAHwAAAAAAACYAAAAAAAAAwOD//wAAAAAmAAAAZAAAABYAAABMAAAAAAAAAAAAAAAEAAAAAAAAAAEAAACAgIAKAAAAACgAAAAoAAAAZAAAAGQAAAAAAAAAzMzMAAAAAABQAAAAUAAAAGQAAABkAAAAAAAAABcAAAAUAAAAAAAAAAAAAAD/fwAA/38AAAAAAAAJAAAABAAAAAMAhj4MAAAAEAAAAAAAAAAAAAAAAAAAAAAAAAAeAAAAaAAAAAAAAAAAAAAAAAAAAAAAAAAAAAAAECcAABAnAAAAAAAAAAAAAAAAAAAAAAAAAAAAAAAAAAAAAAAAAAAAABQAAAAAAAAAwMD/AAAAAABkAAAAMgAAAAAAAABkAAAAAAAAAH9/fwAKAAAAHwAAAFQAAAAAAAAFAAAAAQAAAAAAAAAAAAAAAAAAAAAAAAAAAAAAAAAAAAAAAAAAAAAAAn9/fwAAAAADzMzMAMDA/wB/f38AAAAAAAAAAAAAAAAAAAAAAAAAAAAhAAAAGAAAABQAAADQAgAAsAEAAHA1AAC4CAAAEAAAACYAAAAIAAAAAAAAAAAAAAA="/>
               </a:ext>
             </a:extLst>
           </p:cNvSpPr>
@@ -1246,7 +1247,7 @@
             <a:spLocks noGrp="1" noChangeArrowheads="1"/>
             <a:extLst>
               <a:ext uri="smNativeData">
-                <pr:smNativeData xmlns:pr="smNativeData" val="SMDATA_13_4y+yYxMAAAAlAAAAZAAAAA8BAAAAkAAAAEgAAACQAAAASAAAAAAAAAAAAAAAAAAAAAEAAABQAAAAAAAAAAAA4D8AAAAAAADgPwAAAAAAAOA/AAAAAAAA4D8AAAAAAADgPwAAAAAAAOA/AAAAAAAA4D8AAAAAAADgPwAAAAAAAOA/AAAAAAAA4D8CAAAAjAAAAAAAAAAAAAAAu+DjDP///wgAAAAAAAAAAAAAAAAAAAAAAAAAAAAAAAAAAAAAZAAAAAEAAABAAAAAAAAAAAAAAAAAAAAAAAAAAAAAAAAAAAAAAAAAAAAAAAAAAAAAAAAAAAAAAAAAAAAAAAAAAAAAAAAAAAAAAAAAAAAAAAAAAAAAAAAAAAAAAAAAAAAAFAAAADwAAAAAAAAAAAAAAAAAAAkUAAAAAQAAABQAAAAUAAAAFAAAAAEAAAAAAAAAZAAAAGQAAAAAAAAAZAAAAGQAAAAVAAAAYAAAAAAAAAAAAAAADwAAACADAAAAAAAAAAAAAAEAAACgMgAAVgcAAKr4//8BAAAAf39/AAEAAABkAAAAAAAAABQAAABAHwAAAAAAACYAAAAAAAAAwOD//wAAAAAmAAAAZAAAABYAAABMAAAAAAAAAAAAAAAEAAAAAAAAAAEAAACAgIAKAAAAACgAAAAoAAAAZAAAAGQAAAAAAAAAzMzMAAAAAABQAAAAUAAAAGQAAABkAAAAAAAAABcAAAAUAAAAAAAAAAAAAAD/fwAA/38AAAAAAAAJAAAABAAAAJJH8tUMAAAAEAAAAAAAAAAAAAAAAAAAAAAAAAAeAAAAaAAAAAAAAAAAAAAAAAAAAAAAAAAAAAAAECcAABAnAAAAAAAAAAAAAAAAAAAAAAAAAAAAAAAAAAAAAAAAAAAAABQAAAAAAAAAwMD/AAAAAABkAAAAMgAAAAAAAABkAAAAAAAAAH9/fwAKAAAAHwAAAFQAAAAAAAAFAAAAAQAAAAAAAAAAAAAAAAAAAAAAAAAAAAAAAAAAAAAAAAAAAAAAAn9/fwAAAAADzMzMAMDA/wB/f38AAAAAAAAAAAAAAAAAAAAAAAAAAAAhAAAAGAAAABQAAADQAgAA2AkAAKgbAACwJQAAEAAAACYAAAAIAAAAAYAAAAAAAAA="/>
+                <pr:smNativeData xmlns:pr="smNativeData" val="SMDATA_13_Zg2zYxMAAAAlAAAAZAAAAA8BAAAAkAAAAEgAAACQAAAASAAAAAAAAAAAAAAAAAAAAAEAAABQAAAAAAAAAAAA4D8AAAAAAADgPwAAAAAAAOA/AAAAAAAA4D8AAAAAAADgPwAAAAAAAOA/AAAAAAAA4D8AAAAAAADgPwAAAAAAAOA/AAAAAAAA4D8CAAAAjAAAAAAAAAAAAAAAu+DjDP///wgAAAAAAAAAAAAAAAAAAAAAAAAAAAAAAAAAAAAAZAAAAAEAAABAAAAAAAAAAAAAAAAAAAAAAAAAAAAAAAAAAAAAAAAAAAAAAAAAAAAAAAAAAAAAAAAAAAAAAAAAAAAAAAAAAAAAAAAAAAAAAAAAAAAAAAAAAAAAAAAAAAAAFAAAADwAAAAAAAAAAAAAAAAAAAkUAAAAAQAAABQAAAAUAAAAFAAAAAEAAAAAAAAAZAAAAGQAAAAAAAAAZAAAAGQAAAAVAAAAYAAAAAAAAAAAAAAADwAAACADAAAAAAAAAAAAAAEAAACgMgAAVgcAAKr4//8BAAAAf39/AAEAAABkAAAAAAAAABQAAABAHwAAAAAAACYAAAAAAAAAwOD//wAAAAAmAAAAZAAAABYAAABMAAAAAAAAAAAAAAAEAAAAAAAAAAEAAACAgIAKAAAAACgAAAAoAAAAZAAAAGQAAAAAAAAAzMzMAAAAAABQAAAAUAAAAGQAAABkAAAAAAAAABcAAAAUAAAAAAAAAAAAAAD/fwAA/38AAAAAAAAJAAAABAAAAJJH8tUMAAAAEAAAAAAAAAAAAAAAAAAAAAAAAAAeAAAAaAAAAAAAAAAAAAAAAAAAAAAAAAAAAAAAECcAABAnAAAAAAAAAAAAAAAAAAAAAAAAAAAAAAAAAAAAAAAAAAAAABQAAAAAAAAAwMD/AAAAAABkAAAAMgAAAAAAAABkAAAAAAAAAH9/fwAKAAAAHwAAAFQAAAAAAAAFAAAAAQAAAAAAAAAAAAAAAAAAAAAAAAAAAAAAAAAAAAAAAAAAAAAAAn9/fwAAAAADzMzMAMDA/wB/f38AAAAAAAAAAAAAAAAAAAAAAAAAAAAhAAAAGAAAABQAAADQAgAA2AkAAKgbAACwJQAAEAAAACYAAAAIAAAAAYAAAAAAAAA="/>
               </a:ext>
             </a:extLst>
           </p:cNvSpPr>
@@ -1330,7 +1331,7 @@
             <a:spLocks noGrp="1" noChangeArrowheads="1"/>
             <a:extLst>
               <a:ext uri="smNativeData">
-                <pr:smNativeData xmlns:pr="smNativeData" val="SMDATA_13_4y+yYxMAAAAlAAAAZAAAAA8BAAAAkAAAAEgAAACQAAAASAAAAAAAAAAAAAAAAAAAAAEAAABQAAAAAAAAAAAA4D8AAAAAAADgPwAAAAAAAOA/AAAAAAAA4D8AAAAAAADgPwAAAAAAAOA/AAAAAAAA4D8AAAAAAADgPwAAAAAAAOA/AAAAAAAA4D8CAAAAjAAAAAAAAAAAAAAAu+DjDP///wgAAAAAAAAAAAAAAAAAAAAAAAAAAAAAAAAAAAAAZAAAAAEAAABAAAAAAAAAAAAAAAAAAAAAAAAAAAAAAAAAAAAAAAAAAAAAAAAAAAAAAAAAAAAAAAAAAAAAAAAAAAAAAAAAAAAAAAAAAAAAAAAAAAAAAAAAAAAAAAAAAAAAFAAAADwAAAAAAAAAAAAAAAAAAAkUAAAAAQAAABQAAAAUAAAAFAAAAAEAAAAAAAAAZAAAAGQAAAAAAAAAZAAAAGQAAAAVAAAAYAAAAAAAAAAAAAAADwAAACADAAAAAAAAAAAAAAEAAACgMgAAVgcAAKr4//8BAAAAf39/AAEAAABkAAAAAAAAABQAAABAHwAAAAAAACYAAAAAAAAAwOD//wAAAAAmAAAAZAAAABYAAABMAAAAAAAAAAAAAAAEAAAAAAAAAAEAAACAgIAKAAAAACgAAAAoAAAAZAAAAGQAAAAAAAAAzMzMAAAAAABQAAAAUAAAAGQAAABkAAAAAAAAABcAAAAUAAAAAAAAAAAAAAD/fwAA/38AAAAAAAAJAAAABAAAAO8vAwAMAAAAEAAAAAAAAAAAAAAAAAAAAAAAAAAeAAAAaAAAAAAAAAAAAAAAAAAAAAAAAAAAAAAAECcAABAnAAAAAAAAAAAAAAAAAAAAAAAAAAAAAAAAAAAAAAAAAAAAABQAAAAAAAAAwMD/AAAAAABkAAAAMgAAAAAAAABkAAAAAAAAAH9/fwAKAAAAHwAAAFQAAAAAAAAFAAAAAQAAAAAAAAAAAAAAAAAAAAAAAAAAAAAAAAAAAAAAAAAAAAAAAn9/fwAAAAADzMzMAMDA/wB/f38AAAAAAAAAAAAAAAAAAAAAAAAAAAAhAAAAGAAAABQAAACYHAAA2AkAAHA1AACwJQAAEAAAACYAAAAIAAAAAYAAAAAAAAA="/>
+                <pr:smNativeData xmlns:pr="smNativeData" val="SMDATA_13_Zg2zYxMAAAAlAAAAZAAAAA8BAAAAkAAAAEgAAACQAAAASAAAAAAAAAAAAAAAAAAAAAEAAABQAAAAAAAAAAAA4D8AAAAAAADgPwAAAAAAAOA/AAAAAAAA4D8AAAAAAADgPwAAAAAAAOA/AAAAAAAA4D8AAAAAAADgPwAAAAAAAOA/AAAAAAAA4D8CAAAAjAAAAAAAAAAAAAAAu+DjDP///wgAAAAAAAAAAAAAAAAAAAAAAAAAAAAAAAAAAAAAZAAAAAEAAABAAAAAAAAAAAAAAAAAAAAAAAAAAAAAAAAAAAAAAAAAAAAAAAAAAAAAAAAAAAAAAAAAAAAAAAAAAAAAAAAAAAAAAAAAAAAAAAAAAAAAAAAAAAAAAAAAAAAAFAAAADwAAAAAAAAAAAAAAAAAAAkUAAAAAQAAABQAAAAUAAAAFAAAAAEAAAAAAAAAZAAAAGQAAAAAAAAAZAAAAGQAAAAVAAAAYAAAAAAAAAAAAAAADwAAACADAAAAAAAAAAAAAAEAAACgMgAAVgcAAKr4//8BAAAAf39/AAEAAABkAAAAAAAAABQAAABAHwAAAAAAACYAAAAAAAAAwOD//wAAAAAmAAAAZAAAABYAAABMAAAAAAAAAAAAAAAEAAAAAAAAAAEAAACAgIAKAAAAACgAAAAoAAAAZAAAAGQAAAAAAAAAzMzMAAAAAABQAAAAUAAAAGQAAABkAAAAAAAAABcAAAAUAAAAAAAAAAAAAAD/fwAA/38AAAAAAAAJAAAABAAAAO8vAwAMAAAAEAAAAAAAAAAAAAAAAAAAAAAAAAAeAAAAaAAAAAAAAAAAAAAAAAAAAAAAAAAAAAAAECcAABAnAAAAAAAAAAAAAAAAAAAAAAAAAAAAAAAAAAAAAAAAAAAAABQAAAAAAAAAwMD/AAAAAABkAAAAMgAAAAAAAABkAAAAAAAAAH9/fwAKAAAAHwAAAFQAAAAAAAAFAAAAAQAAAAAAAAAAAAAAAAAAAAAAAAAAAAAAAAAAAAAAAAAAAAAAAn9/fwAAAAADzMzMAMDA/wB/f38AAAAAAAAAAAAAAAAAAAAAAAAAAAAhAAAAGAAAABQAAACYHAAA2AkAAHA1AACwJQAAEAAAACYAAAAIAAAAAYAAAAAAAAA="/>
               </a:ext>
             </a:extLst>
           </p:cNvSpPr>
@@ -1414,7 +1415,7 @@
             <a:spLocks noGrp="1" noChangeArrowheads="1"/>
             <a:extLst>
               <a:ext uri="smNativeData">
-                <pr:smNativeData xmlns:pr="smNativeData" val="SMDATA_13_4y+yYxMAAAAlAAAAZAAAAA8BAAAAkAAAAEgAAACQAAAASAAAAAAAAAABAAAAAAAAAAEAAABQAAAAAAAAAAAA4D8AAAAAAADgPwAAAAAAAOA/AAAAAAAA4D8AAAAAAADgPwAAAAAAAOA/AAAAAAAA4D8AAAAAAADgPwAAAAAAAOA/AAAAAAAA4D8CAAAAjAAAAAAAAAAAAAAAu+DjDP///wgAAAAAAAAAAAAAAAAAAAAAAAAAAAAAAAAAAAAAZAAAAAEAAABAAAAAAAAAAAAAAAAAAAAAAAAAAAAAAAAAAAAAAAAAAAAAAAAAAAAAAAAAAAAAAAAAAAAAAAAAAAAAAAAAAAAAAAAAAAAAAAAAAAAAAAAAAAAAAAAAAAAAFAAAADwAAAAAAAAAAAAAAAAAAAkUAAAAAQAAABQAAAAUAAAAFAAAAAEAAAAAAAAAZAAAAGQAAAAAAAAAZAAAAGQAAAAVAAAAYAAAAAAAAAAAAAAADwAAACADAAAAAAAAAAAAAAEAAACgMgAAVgcAAKr4//8BAAAAf39/AAEAAABkAAAAAAAAABQAAABAHwAAAAAAACYAAAAAAAAAwOD//wAAAAAmAAAAZAAAABYAAABMAAAAAAAAAAAAAAAEAAAAAAAAAAEAAACAgIAKAAAAACgAAAAoAAAAZAAAAGQAAAAAAAAAzMzMAAAAAABQAAAAUAAAAGQAAABkAAAAAAAAABcAAAAUAAAAAAAAAAAAAAD/fwAA/38AAAAAAAAJAAAABAAAAAMAf0oMAAAAEAAAAAAAAAAAAAAAAAAAAAAAAAAeAAAAaAAAAAAAAAAAAAAAAAAAAAAAAAAAAAAAECcAABAnAAAAAAAAAAAAAAAAAAAAAAAAAAAAAAAAAAAAAAAAAAAAABQAAAAAAAAAwMD/AAAAAABkAAAAMgAAAAAAAABkAAAAAAAAAH9/fwAKAAAAHwAAAFQAAAAAAAAFAAAAAQAAAAAAAAAAAAAAAAAAAAAAAAAAAAAAAAAAAAAAAAAAAAAAAn9/fwAAAAADzMzMAMDA/wB/f38AAAAAAAAAAAAAAAAAAAAAAAAAAAAhAAAAGAAAABQAAADQAgAAGycAAPAPAABZKQAAEAAAACYAAAAIAAAAAAAAAAAAAAA="/>
+                <pr:smNativeData xmlns:pr="smNativeData" val="SMDATA_13_Zg2zYxMAAAAlAAAAZAAAAA8BAAAAkAAAAEgAAACQAAAASAAAAAAAAAABAAAAAAAAAAEAAABQAAAAAAAAAAAA4D8AAAAAAADgPwAAAAAAAOA/AAAAAAAA4D8AAAAAAADgPwAAAAAAAOA/AAAAAAAA4D8AAAAAAADgPwAAAAAAAOA/AAAAAAAA4D8CAAAAjAAAAAAAAAAAAAAAu+DjDP///wgAAAAAAAAAAAAAAAAAAAAAAAAAAAAAAAAAAAAAZAAAAAEAAABAAAAAAAAAAAAAAAAAAAAAAAAAAAAAAAAAAAAAAAAAAAAAAAAAAAAAAAAAAAAAAAAAAAAAAAAAAAAAAAAAAAAAAAAAAAAAAAAAAAAAAAAAAAAAAAAAAAAAFAAAADwAAAAAAAAAAAAAAAAAAAkUAAAAAQAAABQAAAAUAAAAFAAAAAEAAAAAAAAAZAAAAGQAAAAAAAAAZAAAAGQAAAAVAAAAYAAAAAAAAAAAAAAADwAAACADAAAAAAAAAAAAAAEAAACgMgAAVgcAAKr4//8BAAAAf39/AAEAAABkAAAAAAAAABQAAABAHwAAAAAAACYAAAAAAAAAwOD//wAAAAAmAAAAZAAAABYAAABMAAAAAAAAAAAAAAAEAAAAAAAAAAEAAACAgIAKAAAAACgAAAAoAAAAZAAAAGQAAAAAAAAAzMzMAAAAAABQAAAAUAAAAGQAAABkAAAAAAAAABcAAAAUAAAAAAAAAAAAAAD/fwAA/38AAAAAAAAJAAAABAAAAAMAf0oMAAAAEAAAAAAAAAAAAAAAAAAAAAAAAAAeAAAAaAAAAAAAAAAAAAAAAAAAAAAAAAAAAAAAECcAABAnAAAAAAAAAAAAAAAAAAAAAAAAAAAAAAAAAAAAAAAAAAAAABQAAAAAAAAAwMD/AAAAAABkAAAAMgAAAAAAAABkAAAAAAAAAH9/fwAKAAAAHwAAAFQAAAAAAAAFAAAAAQAAAAAAAAAAAAAAAAAAAAAAAAAAAAAAAAAAAAAAAAAAAAAAAn9/fwAAAAADzMzMAMDA/wB/f38AAAAAAAAAAAAAAAAAAAAAAAAAAAAhAAAAGAAAABQAAADQAgAAGycAAPAPAABZKQAAEAAAACYAAAAIAAAAAAAAAAAAAAA="/>
               </a:ext>
             </a:extLst>
           </p:cNvSpPr>
@@ -1428,7 +1429,7 @@
           <a:lstStyle/>
           <a:p>
             <a:pPr/>
-            <a:fld id="{0608950D-43EB-5D63-A5B0-B536DBFE53E0}" type="datetime1">
+            <a:fld id="{03A99E97-D9EE-FC68-A011-2F3DD05F567A}" type="datetime1">
               <a:t/>
             </a:fld>
           </a:p>
@@ -1441,7 +1442,7 @@
             <a:spLocks noGrp="1" noChangeArrowheads="1"/>
             <a:extLst>
               <a:ext uri="smNativeData">
-                <pr:smNativeData xmlns:pr="smNativeData" val="SMDATA_13_4y+yYxMAAAAlAAAAZAAAAA8BAAAAkAAAAEgAAACQAAAASAAAAAAAAAABAAAAAAAAAAEAAABQAAAAAAAAAAAA4D8AAAAAAADgPwAAAAAAAOA/AAAAAAAA4D8AAAAAAADgPwAAAAAAAOA/AAAAAAAA4D8AAAAAAADgPwAAAAAAAOA/AAAAAAAA4D8CAAAAjAAAAAAAAAAAAAAAu+DjDP///wgAAAAAAAAAAAAAAAAAAAAAAAAAAAAAAAAAAAAAZAAAAAEAAABAAAAAAAAAAAAAAAAAAAAAAAAAAAAAAAAAAAAAAAAAAAAAAAAAAAAAAAAAAAAAAAAAAAAAAAAAAAAAAAAAAAAAAAAAAAAAAAAAAAAAAAAAAAAAAAAAAAAAFAAAADwAAAAAAAAAAAAAAAAAAAkUAAAAAQAAABQAAAAUAAAAFAAAAAEAAAAAAAAAZAAAAGQAAAAAAAAAZAAAAGQAAAAVAAAAYAAAAAAAAAAAAAAADwAAACADAAAAAAAAAAAAAAEAAACgMgAAVgcAAKr4//8BAAAAf39/AAEAAABkAAAAAAAAABQAAABAHwAAAAAAACYAAAAAAAAAwOD//wAAAAAmAAAAZAAAABYAAABMAAAAAAAAAAAAAAAEAAAAAAAAAAEAAACAgIAKAAAAACgAAAAoAAAAZAAAAGQAAAAAAAAAzMzMAAAAAABQAAAAUAAAAGQAAABkAAAAAAAAABcAAAAUAAAAAAAAAAAAAAD/fwAA/38AAAAAAAAJAAAABAAAABMRBAAMAAAAEAAAAAAAAAAAAAAAAAAAAAAAAAAeAAAAaAAAAAAAAAAAAAAAAAAAAAAAAAAAAAAAECcAABAnAAAAAAAAAAAAAAAAAAAAAAAAAAAAAAAAAAAAAAAAAAAAABQAAAAAAAAAwMD/AAAAAABkAAAAMgAAAAAAAABkAAAAAAAAAH9/fwAKAAAAHwAAAFQAAAAAAAAFAAAAAQAAAAAAAAAAAAAAAAAAAAAAAAAAAAAAAAAAAAAAAAAAAAAAAn9/fwAAAAADzMzMAMDA/wB/f38AAAAAAAAAAAAAAAAAAAAAAAAAAAAhAAAAGAAAABQAAAA4EwAAGycAAAglAABZKQAAEAAAACYAAAAIAAAAAAAAAAAAAAA="/>
+                <pr:smNativeData xmlns:pr="smNativeData" val="SMDATA_13_Zg2zYxMAAAAlAAAAZAAAAA8BAAAAkAAAAEgAAACQAAAASAAAAAAAAAABAAAAAAAAAAEAAABQAAAAAAAAAAAA4D8AAAAAAADgPwAAAAAAAOA/AAAAAAAA4D8AAAAAAADgPwAAAAAAAOA/AAAAAAAA4D8AAAAAAADgPwAAAAAAAOA/AAAAAAAA4D8CAAAAjAAAAAAAAAAAAAAAu+DjDP///wgAAAAAAAAAAAAAAAAAAAAAAAAAAAAAAAAAAAAAZAAAAAEAAABAAAAAAAAAAAAAAAAAAAAAAAAAAAAAAAAAAAAAAAAAAAAAAAAAAAAAAAAAAAAAAAAAAAAAAAAAAAAAAAAAAAAAAAAAAAAAAAAAAAAAAAAAAAAAAAAAAAAAFAAAADwAAAAAAAAAAAAAAAAAAAkUAAAAAQAAABQAAAAUAAAAFAAAAAEAAAAAAAAAZAAAAGQAAAAAAAAAZAAAAGQAAAAVAAAAYAAAAAAAAAAAAAAADwAAACADAAAAAAAAAAAAAAEAAACgMgAAVgcAAKr4//8BAAAAf39/AAEAAABkAAAAAAAAABQAAABAHwAAAAAAACYAAAAAAAAAwOD//wAAAAAmAAAAZAAAABYAAABMAAAAAAAAAAAAAAAEAAAAAAAAAAEAAACAgIAKAAAAACgAAAAoAAAAZAAAAGQAAAAAAAAAzMzMAAAAAABQAAAAUAAAAGQAAABkAAAAAAAAABcAAAAUAAAAAAAAAAAAAAD/fwAA/38AAAAAAAAJAAAABAAAABMRBAAMAAAAEAAAAAAAAAAAAAAAAAAAAAAAAAAeAAAAaAAAAAAAAAAAAAAAAAAAAAAAAAAAAAAAECcAABAnAAAAAAAAAAAAAAAAAAAAAAAAAAAAAAAAAAAAAAAAAAAAABQAAAAAAAAAwMD/AAAAAABkAAAAMgAAAAAAAABkAAAAAAAAAH9/fwAKAAAAHwAAAFQAAAAAAAAFAAAAAQAAAAAAAAAAAAAAAAAAAAAAAAAAAAAAAAAAAAAAAAAAAAAAAn9/fwAAAAADzMzMAMDA/wB/f38AAAAAAAAAAAAAAAAAAAAAAAAAAAAhAAAAGAAAABQAAAA4EwAAGycAAAglAABZKQAAEAAAACYAAAAIAAAAAAAAAAAAAAA="/>
               </a:ext>
             </a:extLst>
           </p:cNvSpPr>
@@ -1465,7 +1466,7 @@
             <a:spLocks noGrp="1" noChangeArrowheads="1"/>
             <a:extLst>
               <a:ext uri="smNativeData">
-                <pr:smNativeData xmlns:pr="smNativeData" val="SMDATA_13_4y+yYxMAAAAlAAAAZAAAAA8BAAAAkAAAAEgAAACQAAAASAAAAAAAAAABAAAAAAAAAAEAAABQAAAAAAAAAAAA4D8AAAAAAADgPwAAAAAAAOA/AAAAAAAA4D8AAAAAAADgPwAAAAAAAOA/AAAAAAAA4D8AAAAAAADgPwAAAAAAAOA/AAAAAAAA4D8CAAAAjAAAAAAAAAAAAAAAu+DjDP///wgAAAAAAAAAAAAAAAAAAAAAAAAAAAAAAAAAAAAAZAAAAAEAAABAAAAAAAAAAAAAAAAAAAAAAAAAAAAAAAAAAAAAAAAAAAAAAAAAAAAAAAAAAAAAAAAAAAAAAAAAAAAAAAAAAAAAAAAAAAAAAAAAAAAAAAAAAAAAAAAAAAAAFAAAADwAAAAAAAAAAAAAAAAAAAkUAAAAAQAAABQAAAAUAAAAFAAAAAEAAAAAAAAAZAAAAGQAAAAAAAAAZAAAAGQAAAAVAAAAYAAAAAAAAAAAAAAADwAAACADAAAAAAAAAAAAAAEAAACgMgAAVgcAAKr4//8BAAAAf39/AAEAAABkAAAAAAAAABQAAABAHwAAAAAAACYAAAAAAAAAwOD//wAAAAAmAAAAZAAAABYAAABMAAAAAAAAAAAAAAAEAAAAAAAAAAEAAACAgIAKAAAAACgAAAAoAAAAZAAAAGQAAAAAAAAAzMzMAAAAAABQAAAAUAAAAGQAAABkAAAAAAAAABcAAAAUAAAAAAAAAAAAAAD/fwAA/38AAAAAAAAJAAAABAAAAL5dAwAMAAAAEAAAAAAAAAAAAAAAAAAAAAAAAAAeAAAAaAAAAAAAAAAAAAAAAAAAAAAAAAAAAAAAECcAABAnAAAAAAAAAAAAAAAAAAAAAAAAAAAAAAAAAAAAAAAAAAAAABQAAAAAAAAAwMD/AAAAAABkAAAAMgAAAAAAAABkAAAAAAAAAH9/fwAKAAAAHwAAAFQAAAAAAAAFAAAAAQAAAAAAAAAAAAAAAAAAAAAAAAAAAAAAAAAAAAAAAAAAAAAAAn9/fwAAAAADzMzMAMDA/wB/f38AAAAAAAAAAAAAAAAAAAAAAAAAAAAhAAAAGAAAABQAAABQKAAAGycAAHA1AABZKQAAEAAAACYAAAAIAAAAAAAAAAAAAAA="/>
+                <pr:smNativeData xmlns:pr="smNativeData" val="SMDATA_13_Zg2zYxMAAAAlAAAAZAAAAA8BAAAAkAAAAEgAAACQAAAASAAAAAAAAAABAAAAAAAAAAEAAABQAAAAAAAAAAAA4D8AAAAAAADgPwAAAAAAAOA/AAAAAAAA4D8AAAAAAADgPwAAAAAAAOA/AAAAAAAA4D8AAAAAAADgPwAAAAAAAOA/AAAAAAAA4D8CAAAAjAAAAAAAAAAAAAAAu+DjDP///wgAAAAAAAAAAAAAAAAAAAAAAAAAAAAAAAAAAAAAZAAAAAEAAABAAAAAAAAAAAAAAAAAAAAAAAAAAAAAAAAAAAAAAAAAAAAAAAAAAAAAAAAAAAAAAAAAAAAAAAAAAAAAAAAAAAAAAAAAAAAAAAAAAAAAAAAAAAAAAAAAAAAAFAAAADwAAAAAAAAAAAAAAAAAAAkUAAAAAQAAABQAAAAUAAAAFAAAAAEAAAAAAAAAZAAAAGQAAAAAAAAAZAAAAGQAAAAVAAAAYAAAAAAAAAAAAAAADwAAACADAAAAAAAAAAAAAAEAAACgMgAAVgcAAKr4//8BAAAAf39/AAEAAABkAAAAAAAAABQAAABAHwAAAAAAACYAAAAAAAAAwOD//wAAAAAmAAAAZAAAABYAAABMAAAAAAAAAAAAAAAEAAAAAAAAAAEAAACAgIAKAAAAACgAAAAoAAAAZAAAAGQAAAAAAAAAzMzMAAAAAABQAAAAUAAAAGQAAABkAAAAAAAAABcAAAAUAAAAAAAAAAAAAAD/fwAA/38AAAAAAAAJAAAABAAAAL5dAwAMAAAAEAAAAAAAAAAAAAAAAAAAAAAAAAAeAAAAaAAAAAAAAAAAAAAAAAAAAAAAAAAAAAAAECcAABAnAAAAAAAAAAAAAAAAAAAAAAAAAAAAAAAAAAAAAAAAAAAAABQAAAAAAAAAwMD/AAAAAABkAAAAMgAAAAAAAABkAAAAAAAAAH9/fwAKAAAAHwAAAFQAAAAAAAAFAAAAAQAAAAAAAAAAAAAAAAAAAAAAAAAAAAAAAAAAAAAAAAAAAAAAAn9/fwAAAAADzMzMAMDA/wB/f38AAAAAAAAAAAAAAAAAAAAAAAAAAAAhAAAAGAAAABQAAABQKAAAGycAAHA1AABZKQAAEAAAACYAAAAIAAAAAAAAAAAAAAA="/>
               </a:ext>
             </a:extLst>
           </p:cNvSpPr>
@@ -1479,7 +1480,7 @@
           <a:lstStyle/>
           <a:p>
             <a:pPr/>
-            <a:fld id="{0608A819-57EB-5D5E-A5B0-A10BE6FE53F4}" type="slidenum">
+            <a:fld id="{03A9F923-6DEE-FC0F-A011-9B5AB75F56CE}" type="slidenum">
               <a:t/>
             </a:fld>
           </a:p>
@@ -1517,7 +1518,7 @@
             <a:spLocks noGrp="1" noChangeArrowheads="1"/>
             <a:extLst>
               <a:ext uri="smNativeData">
-                <pr:smNativeData xmlns:pr="smNativeData" val="SMDATA_13_4y+yYxMAAAAlAAAAZAAAAA8BAAAAkAAAAEgAAACQAAAASAAAAAAAAAABAAAAAAAAAAEAAABQAAAAAAAAAAAA4D8AAAAAAADgPwAAAAAAAOA/AAAAAAAA4D8AAAAAAADgPwAAAAAAAOA/AAAAAAAA4D8AAAAAAADgPwAAAAAAAOA/AAAAAAAA4D8CAAAAjAAAAAAAAAAAAAAAu+DjDP///wgAAAAAAAAAAAAAAAAAAAAAAAAAAAAAAAAAAAAAZAAAAAEAAABAAAAAAAAAAAAAAAAAAAAAAAAAAAAAAAAAAAAAAAAAAAAAAAAAAAAAAAAAAAAAAAAAAAAAAAAAAAAAAAAAAAAAAAAAAAAAAAAAAAAAAAAAAAAAAAAAAAAAFAAAADwAAAAAAAAAAAAAAAAAAAkUAAAAAQAAABQAAAAUAAAAFAAAAAEAAAAAAAAAZAAAAGQAAAAAAAAAZAAAAGQAAAAVAAAAYAAAAAAAAAAAAAAADwAAACADAAAAAAAAAAAAAAEAAACgMgAAVgcAAKr4//8BAAAAf39/AAEAAABkAAAAAAAAABQAAABAHwAAAAAAACYAAAAAAAAAwOD//wAAAAAmAAAAZAAAABYAAABMAAAAAAAAAAAAAAAEAAAAAAAAAAEAAACAgIAKAAAAACgAAAAoAAAAZAAAAGQAAAAAAAAAzMzMAAAAAABQAAAAUAAAAGQAAABkAAAAAAAAABcAAAAUAAAAAAAAAAAAAAD/fwAA/38AAAAAAAAJAAAABAAAAAQAxWgMAAAAEAAAAAAAAAAAAAAAAAAAAAAAAAAeAAAAaAAAAAAAAAAAAAAAAAAAAAAAAAAAAAAAECcAABAnAAAAAAAAAAAAAAAAAAAAAAAAAAAAAAAAAAAAAAAAAAAAABQAAAAAAAAAwMD/AAAAAABkAAAAMgAAAAAAAABkAAAAAAAAAH9/fwAKAAAAHwAAAFQAAAAAAAAFAAAAAQAAAAAAAAAAAAAAAAAAAAAAAAAAAAAAAAAAAAAAAAAAAAAAAn9/fwAAAAADzMzMAMDA/wB/f38AAAAAAAAAAAAAAAAAAAAAAAAAAAAhAAAAGAAAABQAAADQAgAAsAEAAHA1AAC4CAAAEAAAACYAAAAIAAAAAAAAAAAAAAA="/>
+                <pr:smNativeData xmlns:pr="smNativeData" val="SMDATA_13_Zg2zYxMAAAAlAAAAZAAAAA8BAAAAkAAAAEgAAACQAAAASAAAAAAAAAABAAAAAAAAAAEAAABQAAAAAAAAAAAA4D8AAAAAAADgPwAAAAAAAOA/AAAAAAAA4D8AAAAAAADgPwAAAAAAAOA/AAAAAAAA4D8AAAAAAADgPwAAAAAAAOA/AAAAAAAA4D8CAAAAjAAAAAAAAAAAAAAAu+DjDP///wgAAAAAAAAAAAAAAAAAAAAAAAAAAAAAAAAAAAAAZAAAAAEAAABAAAAAAAAAAAAAAAAAAAAAAAAAAAAAAAAAAAAAAAAAAAAAAAAAAAAAAAAAAAAAAAAAAAAAAAAAAAAAAAAAAAAAAAAAAAAAAAAAAAAAAAAAAAAAAAAAAAAAFAAAADwAAAAAAAAAAAAAAAAAAAkUAAAAAQAAABQAAAAUAAAAFAAAAAEAAAAAAAAAZAAAAGQAAAAAAAAAZAAAAGQAAAAVAAAAYAAAAAAAAAAAAAAADwAAACADAAAAAAAAAAAAAAEAAACgMgAAVgcAAKr4//8BAAAAf39/AAEAAABkAAAAAAAAABQAAABAHwAAAAAAACYAAAAAAAAAwOD//wAAAAAmAAAAZAAAABYAAABMAAAAAAAAAAAAAAAEAAAAAAAAAAEAAACAgIAKAAAAACgAAAAoAAAAZAAAAGQAAAAAAAAAzMzMAAAAAABQAAAAUAAAAGQAAABkAAAAAAAAABcAAAAUAAAAAAAAAAAAAAD/fwAA/38AAAAAAAAJAAAABAAAAAQAxWgMAAAAEAAAAAAAAAAAAAAAAAAAAAAAAAAeAAAAaAAAAAAAAAAAAAAAAAAAAAAAAAAAAAAAECcAABAnAAAAAAAAAAAAAAAAAAAAAAAAAAAAAAAAAAAAAAAAAAAAABQAAAAAAAAAwMD/AAAAAABkAAAAMgAAAAAAAABkAAAAAAAAAH9/fwAKAAAAHwAAAFQAAAAAAAAFAAAAAQAAAAAAAAAAAAAAAAAAAAAAAAAAAAAAAAAAAAAAAAAAAAAAAn9/fwAAAAADzMzMAMDA/wB/f38AAAAAAAAAAAAAAAAAAAAAAAAAAAAhAAAAGAAAABQAAADQAgAAsAEAAHA1AAC4CAAAEAAAACYAAAAIAAAAAAAAAAAAAAA="/>
               </a:ext>
             </a:extLst>
           </p:cNvSpPr>
@@ -1544,7 +1545,7 @@
             <a:spLocks noGrp="1" noChangeArrowheads="1"/>
             <a:extLst>
               <a:ext uri="smNativeData">
-                <pr:smNativeData xmlns:pr="smNativeData" val="SMDATA_13_4y+yYxMAAAAlAAAAZAAAAA8BAAAAkAAAAEgAAACQAAAASAAAAAAAAAACAAAAAAAAAAEAAABQAAAAAAAAAAAA4D8AAAAAAADgPwAAAAAAAOA/AAAAAAAA4D8AAAAAAADgPwAAAAAAAOA/AAAAAAAA4D8AAAAAAADgPwAAAAAAAOA/AAAAAAAA4D8CAAAAjAAAAAAAAAAAAAAAu+DjDP///wgAAAAAAAAAAAAAAAAAAAAAAAAAAAAAAAAAAAAAZAAAAAEAAABAAAAAAAAAAAAAAAAAAAAAAAAAAAAAAAAAAAAAAAAAAAAAAAAAAAAAAAAAAAAAAAAAAAAAAAAAAAAAAAAAAAAAAAAAAAAAAAAAAAAAAAAAAAAAAAAAAAAAFAAAADwAAAAAAAAAAAAAAAAAAAkUAAAAAQAAABQAAAAUAAAAFAAAAAEAAAAAAAAAZAAAAGQAAAAAAAAAZAAAAGQAAAAVAAAAYAAAAAAAAAAAAAAADwAAACADAAAAAAAAAAAAAAEAAACgMgAAVgcAAKr4//8BAAAAf39/AAEAAABkAAAAAAAAABQAAABAHwAAAAAAACYAAAAAAAAAwOD//wAAAAAmAAAAZAAAABYAAABMAAAAAAAAAAAAAAAEAAAAAAAAAAEAAACAgIAKAAAAACgAAAAoAAAAZAAAAGQAAAAAAAAAzMzMAAAAAABQAAAAUAAAAGQAAABkAAAAAAAAABcAAAAUAAAAAAAAAAAAAAD/fwAA/38AAAAAAAAJAAAABAAAAAMAbkEMAAAAEAAAAAAAAAAAAAAAAAAAAAAAAAAeAAAAaAAAAAAAAAAAAAAAAAAAAAAAAAAAAAAAECcAABAnAAAAAAAAAAAAAAAAAAAAAAAAAAAAAAAAAAAAAAAAAAAAABQAAAAAAAAAwMD/AAAAAABkAAAAMgAAAAAAAABkAAAAAAAAAH9/fwAKAAAAHwAAAFQAAAAAAAAFAAAAAQAAAAAAAAAAAAAAAAAAAAAAAAAAAAAAAAAAAAAAAAAAAAAAAn9/fwAAAAADzMzMAMDA/wB/f38AAAAAAAAAAAAAAAAAAAAAAAAAAAAhAAAAGAAAABQAAADQAgAAcQkAAKobAABhDQAAEAAAACYAAAAIAAAAgYAAAAAAAAA="/>
+                <pr:smNativeData xmlns:pr="smNativeData" val="SMDATA_13_Zg2zYxMAAAAlAAAAZAAAAA8BAAAAkAAAAEgAAACQAAAASAAAAAAAAAACAAAAAAAAAAEAAABQAAAAAAAAAAAA4D8AAAAAAADgPwAAAAAAAOA/AAAAAAAA4D8AAAAAAADgPwAAAAAAAOA/AAAAAAAA4D8AAAAAAADgPwAAAAAAAOA/AAAAAAAA4D8CAAAAjAAAAAAAAAAAAAAAu+DjDP///wgAAAAAAAAAAAAAAAAAAAAAAAAAAAAAAAAAAAAAZAAAAAEAAABAAAAAAAAAAAAAAAAAAAAAAAAAAAAAAAAAAAAAAAAAAAAAAAAAAAAAAAAAAAAAAAAAAAAAAAAAAAAAAAAAAAAAAAAAAAAAAAAAAAAAAAAAAAAAAAAAAAAAFAAAADwAAAAAAAAAAAAAAAAAAAkUAAAAAQAAABQAAAAUAAAAFAAAAAEAAAAAAAAAZAAAAGQAAAAAAAAAZAAAAGQAAAAVAAAAYAAAAAAAAAAAAAAADwAAACADAAAAAAAAAAAAAAEAAACgMgAAVgcAAKr4//8BAAAAf39/AAEAAABkAAAAAAAAABQAAABAHwAAAAAAACYAAAAAAAAAwOD//wAAAAAmAAAAZAAAABYAAABMAAAAAAAAAAAAAAAEAAAAAAAAAAEAAACAgIAKAAAAACgAAAAoAAAAZAAAAGQAAAAAAAAAzMzMAAAAAABQAAAAUAAAAGQAAABkAAAAAAAAABcAAAAUAAAAAAAAAAAAAAD/fwAA/38AAAAAAAAJAAAABAAAAAMAbkEMAAAAEAAAAAAAAAAAAAAAAAAAAAAAAAAeAAAAaAAAAAAAAAAAAAAAAAAAAAAAAAAAAAAAECcAABAnAAAAAAAAAAAAAAAAAAAAAAAAAAAAAAAAAAAAAAAAAAAAABQAAAAAAAAAwMD/AAAAAABkAAAAMgAAAAAAAABkAAAAAAAAAH9/fwAKAAAAHwAAAFQAAAAAAAAFAAAAAQAAAAAAAAAAAAAAAAAAAAAAAAAAAAAAAAAAAAAAAAAAAAAAAn9/fwAAAAADzMzMAMDA/wB/f38AAAAAAAAAAAAAAAAAAAAAAAAAAAAhAAAAGAAAABQAAADQAgAAcQkAAKobAABhDQAAEAAAACYAAAAIAAAAgYAAAAAAAAA="/>
               </a:ext>
             </a:extLst>
           </p:cNvSpPr>
@@ -1617,7 +1618,7 @@
             <a:spLocks noGrp="1" noChangeArrowheads="1"/>
             <a:extLst>
               <a:ext uri="smNativeData">
-                <pr:smNativeData xmlns:pr="smNativeData" val="SMDATA_13_4y+yYxMAAAAlAAAAZAAAAA8BAAAAkAAAAEgAAACQAAAASAAAAAAAAAAAAAAAAAAAAAEAAABQAAAAAAAAAAAA4D8AAAAAAADgPwAAAAAAAOA/AAAAAAAA4D8AAAAAAADgPwAAAAAAAOA/AAAAAAAA4D8AAAAAAADgPwAAAAAAAOA/AAAAAAAA4D8CAAAAjAAAAAAAAAAAAAAAu+DjDP///wgAAAAAAAAAAAAAAAAAAAAAAAAAAAAAAAAAAAAAZAAAAAEAAABAAAAAAAAAAAAAAAAAAAAAAAAAAAAAAAAAAAAAAAAAAAAAAAAAAAAAAAAAAAAAAAAAAAAAAAAAAAAAAAAAAAAAAAAAAAAAAAAAAAAAAAAAAAAAAAAAAAAAFAAAADwAAAAAAAAAAAAAAAAAAAkUAAAAAQAAABQAAAAUAAAAFAAAAAEAAAAAAAAAZAAAAGQAAAAAAAAAZAAAAGQAAAAVAAAAYAAAAAAAAAAAAAAADwAAACADAAAAAAAAAAAAAAEAAACgMgAAVgcAAKr4//8BAAAAf39/AAEAAABkAAAAAAAAABQAAABAHwAAAAAAACYAAAAAAAAAwOD//wAAAAAmAAAAZAAAABYAAABMAAAAAAAAAAAAAAAEAAAAAAAAAAEAAACAgIAKAAAAACgAAAAoAAAAZAAAAGQAAAAAAAAAzMzMAAAAAABQAAAAUAAAAGQAAABkAAAAAAAAABcAAAAUAAAAAAAAAAAAAAD/fwAA/38AAAAAAAAJAAAABAAAAAMAhUEMAAAAEAAAAAAAAAAAAAAAAAAAAAAAAAAeAAAAaAAAAAAAAAAAAAAAAAAAAAAAAAAAAAAAECcAABAnAAAAAAAAAAAAAAAAAAAAAAAAAAAAAAAAAAAAAAAAAAAAABQAAAAAAAAAwMD/AAAAAABkAAAAMgAAAAAAAABkAAAAAAAAAH9/fwAKAAAAHwAAAFQAAAAAAAAFAAAAAQAAAAAAAAAAAAAAAAAAAAAAAAAAAAAAAAAAAAAAAAAAAAAAAn9/fwAAAAADzMzMAMDA/wB/f38AAAAAAAAAAAAAAAAAAAAAAAAAAAAhAAAAGAAAABQAAADQAgAAYQ0AAKobAACwJQAAEAAAACYAAAAIAAAAAYAAAAAAAAA="/>
+                <pr:smNativeData xmlns:pr="smNativeData" val="SMDATA_13_Zg2zYxMAAAAlAAAAZAAAAA8BAAAAkAAAAEgAAACQAAAASAAAAAAAAAAAAAAAAAAAAAEAAABQAAAAAAAAAAAA4D8AAAAAAADgPwAAAAAAAOA/AAAAAAAA4D8AAAAAAADgPwAAAAAAAOA/AAAAAAAA4D8AAAAAAADgPwAAAAAAAOA/AAAAAAAA4D8CAAAAjAAAAAAAAAAAAAAAu+DjDP///wgAAAAAAAAAAAAAAAAAAAAAAAAAAAAAAAAAAAAAZAAAAAEAAABAAAAAAAAAAAAAAAAAAAAAAAAAAAAAAAAAAAAAAAAAAAAAAAAAAAAAAAAAAAAAAAAAAAAAAAAAAAAAAAAAAAAAAAAAAAAAAAAAAAAAAAAAAAAAAAAAAAAAFAAAADwAAAAAAAAAAAAAAAAAAAkUAAAAAQAAABQAAAAUAAAAFAAAAAEAAAAAAAAAZAAAAGQAAAAAAAAAZAAAAGQAAAAVAAAAYAAAAAAAAAAAAAAADwAAACADAAAAAAAAAAAAAAEAAACgMgAAVgcAAKr4//8BAAAAf39/AAEAAABkAAAAAAAAABQAAABAHwAAAAAAACYAAAAAAAAAwOD//wAAAAAmAAAAZAAAABYAAABMAAAAAAAAAAAAAAAEAAAAAAAAAAEAAACAgIAKAAAAACgAAAAoAAAAZAAAAGQAAAAAAAAAzMzMAAAAAABQAAAAUAAAAGQAAABkAAAAAAAAABcAAAAUAAAAAAAAAAAAAAD/fwAA/38AAAAAAAAJAAAABAAAAAMAhUEMAAAAEAAAAAAAAAAAAAAAAAAAAAAAAAAeAAAAaAAAAAAAAAAAAAAAAAAAAAAAAAAAAAAAECcAABAnAAAAAAAAAAAAAAAAAAAAAAAAAAAAAAAAAAAAAAAAAAAAABQAAAAAAAAAwMD/AAAAAABkAAAAMgAAAAAAAABkAAAAAAAAAH9/fwAKAAAAHwAAAFQAAAAAAAAFAAAAAQAAAAAAAAAAAAAAAAAAAAAAAAAAAAAAAAAAAAAAAAAAAAAAAn9/fwAAAAADzMzMAMDA/wB/f38AAAAAAAAAAAAAAAAAAAAAAAAAAAAhAAAAGAAAABQAAADQAgAAYQ0AAKobAACwJQAAEAAAACYAAAAIAAAAAYAAAAAAAAA="/>
               </a:ext>
             </a:extLst>
           </p:cNvSpPr>
@@ -1701,7 +1702,7 @@
             <a:spLocks noGrp="1" noChangeArrowheads="1"/>
             <a:extLst>
               <a:ext uri="smNativeData">
-                <pr:smNativeData xmlns:pr="smNativeData" val="SMDATA_13_4y+yYxMAAAAlAAAAZAAAAA8BAAAAkAAAAEgAAACQAAAASAAAAAAAAAACAAAAAAAAAAEAAABQAAAAAAAAAAAA4D8AAAAAAADgPwAAAAAAAOA/AAAAAAAA4D8AAAAAAADgPwAAAAAAAOA/AAAAAAAA4D8AAAAAAADgPwAAAAAAAOA/AAAAAAAA4D8CAAAAjAAAAAAAAAAAAAAAu+DjDP///wgAAAAAAAAAAAAAAAAAAAAAAAAAAAAAAAAAAAAAZAAAAAEAAABAAAAAAAAAAAAAAAAAAAAAAAAAAAAAAAAAAAAAAAAAAAAAAAAAAAAAAAAAAAAAAAAAAAAAAAAAAAAAAAAAAAAAAAAAAAAAAAAAAAAAAAAAAAAAAAAAAAAAFAAAADwAAAAAAAAAAAAAAAAAAAkUAAAAAQAAABQAAAAUAAAAFAAAAAEAAAAAAAAAZAAAAGQAAAAAAAAAZAAAAGQAAAAVAAAAYAAAAAAAAAAAAAAADwAAACADAAAAAAAAAAAAAAEAAACgMgAAVgcAAKr4//8BAAAAf39/AAEAAABkAAAAAAAAABQAAABAHwAAAAAAACYAAAAAAAAAwOD//wAAAAAmAAAAZAAAABYAAABMAAAAAAAAAAAAAAAEAAAAAAAAAAEAAACAgIAKAAAAACgAAAAoAAAAZAAAAGQAAAAAAAAAzMzMAAAAAABQAAAAUAAAAGQAAABkAAAAAAAAABcAAAAUAAAAAAAAAAAAAAD/fwAA/38AAAAAAAAJAAAABAAAAOOYAwAMAAAAEAAAAAAAAAAAAAAAAAAAAAAAAAAeAAAAaAAAAAAAAAAAAAAAAAAAAAAAAAAAAAAAECcAABAnAAAAAAAAAAAAAAAAAAAAAAAAAAAAAAAAAAAAAAAAAAAAABQAAAAAAAAAwMD/AAAAAABkAAAAMgAAAAAAAABkAAAAAAAAAH9/fwAKAAAAHwAAAFQAAAAAAAAFAAAAAQAAAAAAAAAAAAAAAAAAAAAAAAAAAAAAAAAAAAAAAAAAAAAAAn9/fwAAAAADzMzMAMDA/wB/f38AAAAAAAAAAAAAAAAAAAAAAAAAAAAhAAAAGAAAABQAAACWHAAAcQkAAHA1AABhDQAAEAAAACYAAAAIAAAAgYAAAAAAAAA="/>
+                <pr:smNativeData xmlns:pr="smNativeData" val="SMDATA_13_Zg2zYxMAAAAlAAAAZAAAAA8BAAAAkAAAAEgAAACQAAAASAAAAAAAAAACAAAAAAAAAAEAAABQAAAAAAAAAAAA4D8AAAAAAADgPwAAAAAAAOA/AAAAAAAA4D8AAAAAAADgPwAAAAAAAOA/AAAAAAAA4D8AAAAAAADgPwAAAAAAAOA/AAAAAAAA4D8CAAAAjAAAAAAAAAAAAAAAu+DjDP///wgAAAAAAAAAAAAAAAAAAAAAAAAAAAAAAAAAAAAAZAAAAAEAAABAAAAAAAAAAAAAAAAAAAAAAAAAAAAAAAAAAAAAAAAAAAAAAAAAAAAAAAAAAAAAAAAAAAAAAAAAAAAAAAAAAAAAAAAAAAAAAAAAAAAAAAAAAAAAAAAAAAAAFAAAADwAAAAAAAAAAAAAAAAAAAkUAAAAAQAAABQAAAAUAAAAFAAAAAEAAAAAAAAAZAAAAGQAAAAAAAAAZAAAAGQAAAAVAAAAYAAAAAAAAAAAAAAADwAAACADAAAAAAAAAAAAAAEAAACgMgAAVgcAAKr4//8BAAAAf39/AAEAAABkAAAAAAAAABQAAABAHwAAAAAAACYAAAAAAAAAwOD//wAAAAAmAAAAZAAAABYAAABMAAAAAAAAAAAAAAAEAAAAAAAAAAEAAACAgIAKAAAAACgAAAAoAAAAZAAAAGQAAAAAAAAAzMzMAAAAAABQAAAAUAAAAGQAAABkAAAAAAAAABcAAAAUAAAAAAAAAAAAAAD/fwAA/38AAAAAAAAJAAAABAAAAOOYAwAMAAAAEAAAAAAAAAAAAAAAAAAAAAAAAAAeAAAAaAAAAAAAAAAAAAAAAAAAAAAAAAAAAAAAECcAABAnAAAAAAAAAAAAAAAAAAAAAAAAAAAAAAAAAAAAAAAAAAAAABQAAAAAAAAAwMD/AAAAAABkAAAAMgAAAAAAAABkAAAAAAAAAH9/fwAKAAAAHwAAAFQAAAAAAAAFAAAAAQAAAAAAAAAAAAAAAAAAAAAAAAAAAAAAAAAAAAAAAAAAAAAAAn9/fwAAAAADzMzMAMDA/wB/f38AAAAAAAAAAAAAAAAAAAAAAAAAAAAhAAAAGAAAABQAAACWHAAAcQkAAHA1AABhDQAAEAAAACYAAAAIAAAAgYAAAAAAAAA="/>
               </a:ext>
             </a:extLst>
           </p:cNvSpPr>
@@ -1774,7 +1775,7 @@
             <a:spLocks noGrp="1" noChangeArrowheads="1"/>
             <a:extLst>
               <a:ext uri="smNativeData">
-                <pr:smNativeData xmlns:pr="smNativeData" val="SMDATA_13_4y+yYxMAAAAlAAAAZAAAAA8BAAAAkAAAAEgAAACQAAAASAAAAAAAAAAAAAAAAAAAAAEAAABQAAAAAAAAAAAA4D8AAAAAAADgPwAAAAAAAOA/AAAAAAAA4D8AAAAAAADgPwAAAAAAAOA/AAAAAAAA4D8AAAAAAADgPwAAAAAAAOA/AAAAAAAA4D8CAAAAjAAAAAAAAAAAAAAAu+DjDP///wgAAAAAAAAAAAAAAAAAAAAAAAAAAAAAAAAAAAAAZAAAAAEAAABAAAAAAAAAAAAAAAAAAAAAAAAAAAAAAAAAAAAAAAAAAAAAAAAAAAAAAAAAAAAAAAAAAAAAAAAAAAAAAAAAAAAAAAAAAAAAAAAAAAAAAAAAAAAAAAAAAAAAFAAAADwAAAAAAAAAAAAAAAAAAAkUAAAAAQAAABQAAAAUAAAAFAAAAAEAAAAAAAAAZAAAAGQAAAAAAAAAZAAAAGQAAAAVAAAAYAAAAAAAAAAAAAAADwAAACADAAAAAAAAAAAAAAEAAACgMgAAVgcAAKr4//8BAAAAf39/AAEAAABkAAAAAAAAABQAAABAHwAAAAAAACYAAAAAAAAAwOD//wAAAAAmAAAAZAAAABYAAABMAAAAAAAAAAAAAAAEAAAAAAAAAAEAAACAgIAKAAAAACgAAAAoAAAAZAAAAGQAAAAAAAAAzMzMAAAAAABQAAAAUAAAAGQAAABkAAAAAAAAABcAAAAUAAAAAAAAAAAAAAD/fwAA/38AAAAAAAAJAAAABAAAAAMAjgwMAAAAEAAAAAAAAAAAAAAAAAAAAAAAAAAeAAAAaAAAAAAAAAAAAAAAAAAAAAAAAAAAAAAAECcAABAnAAAAAAAAAAAAAAAAAAAAAAAAAAAAAAAAAAAAAAAAAAAAABQAAAAAAAAAwMD/AAAAAABkAAAAMgAAAAAAAABkAAAAAAAAAH9/fwAKAAAAHwAAAFQAAAAAAAAFAAAAAQAAAAAAAAAAAAAAAAAAAAAAAAAAAAAAAAAAAAAAAAAAAAAAAn9/fwAAAAADzMzMAMDA/wB/f38AAAAAAAAAAAAAAAAAAAAAAAAAAAAhAAAAGAAAABQAAACWHAAAYQ0AAHA1AACwJQAAEAAAACYAAAAIAAAAAYAAAAAAAAA="/>
+                <pr:smNativeData xmlns:pr="smNativeData" val="SMDATA_13_Zg2zYxMAAAAlAAAAZAAAAA8BAAAAkAAAAEgAAACQAAAASAAAAAAAAAAAAAAAAAAAAAEAAABQAAAAAAAAAAAA4D8AAAAAAADgPwAAAAAAAOA/AAAAAAAA4D8AAAAAAADgPwAAAAAAAOA/AAAAAAAA4D8AAAAAAADgPwAAAAAAAOA/AAAAAAAA4D8CAAAAjAAAAAAAAAAAAAAAu+DjDP///wgAAAAAAAAAAAAAAAAAAAAAAAAAAAAAAAAAAAAAZAAAAAEAAABAAAAAAAAAAAAAAAAAAAAAAAAAAAAAAAAAAAAAAAAAAAAAAAAAAAAAAAAAAAAAAAAAAAAAAAAAAAAAAAAAAAAAAAAAAAAAAAAAAAAAAAAAAAAAAAAAAAAAFAAAADwAAAAAAAAAAAAAAAAAAAkUAAAAAQAAABQAAAAUAAAAFAAAAAEAAAAAAAAAZAAAAGQAAAAAAAAAZAAAAGQAAAAVAAAAYAAAAAAAAAAAAAAADwAAACADAAAAAAAAAAAAAAEAAACgMgAAVgcAAKr4//8BAAAAf39/AAEAAABkAAAAAAAAABQAAABAHwAAAAAAACYAAAAAAAAAwOD//wAAAAAmAAAAZAAAABYAAABMAAAAAAAAAAAAAAAEAAAAAAAAAAEAAACAgIAKAAAAACgAAAAoAAAAZAAAAGQAAAAAAAAAzMzMAAAAAABQAAAAUAAAAGQAAABkAAAAAAAAABcAAAAUAAAAAAAAAAAAAAD/fwAA/38AAAAAAAAJAAAABAAAAAMAjgwMAAAAEAAAAAAAAAAAAAAAAAAAAAAAAAAeAAAAaAAAAAAAAAAAAAAAAAAAAAAAAAAAAAAAECcAABAnAAAAAAAAAAAAAAAAAAAAAAAAAAAAAAAAAAAAAAAAAAAAABQAAAAAAAAAwMD/AAAAAABkAAAAMgAAAAAAAABkAAAAAAAAAH9/fwAKAAAAHwAAAFQAAAAAAAAFAAAAAQAAAAAAAAAAAAAAAAAAAAAAAAAAAAAAAAAAAAAAAAAAAAAAAn9/fwAAAAADzMzMAMDA/wB/f38AAAAAAAAAAAAAAAAAAAAAAAAAAAAhAAAAGAAAABQAAACWHAAAYQ0AAHA1AACwJQAAEAAAACYAAAAIAAAAAYAAAAAAAAA="/>
               </a:ext>
             </a:extLst>
           </p:cNvSpPr>
@@ -1858,7 +1859,7 @@
             <a:spLocks noGrp="1" noChangeArrowheads="1"/>
             <a:extLst>
               <a:ext uri="smNativeData">
-                <pr:smNativeData xmlns:pr="smNativeData" val="SMDATA_13_4y+yYxMAAAAlAAAAZAAAAA8BAAAAkAAAAEgAAACQAAAASAAAAAAAAAABAAAAAAAAAAEAAABQAAAAAAAAAAAA4D8AAAAAAADgPwAAAAAAAOA/AAAAAAAA4D8AAAAAAADgPwAAAAAAAOA/AAAAAAAA4D8AAAAAAADgPwAAAAAAAOA/AAAAAAAA4D8CAAAAjAAAAAAAAAAAAAAAu+DjDP///wgAAAAAAAAAAAAAAAAAAAAAAAAAAAAAAAAAAAAAZAAAAAEAAABAAAAAAAAAAAAAAAAAAAAAAAAAAAAAAAAAAAAAAAAAAAAAAAAAAAAAAAAAAAAAAAAAAAAAAAAAAAAAAAAAAAAAAAAAAAAAAAAAAAAAAAAAAAAAAAAAAAAAFAAAADwAAAAAAAAAAAAAAAAAAAkUAAAAAQAAABQAAAAUAAAAFAAAAAEAAAAAAAAAZAAAAGQAAAAAAAAAZAAAAGQAAAAVAAAAYAAAAAAAAAAAAAAADwAAACADAAAAAAAAAAAAAAEAAACgMgAAVgcAAKr4//8BAAAAf39/AAEAAABkAAAAAAAAABQAAABAHwAAAAAAACYAAAAAAAAAwOD//wAAAAAmAAAAZAAAABYAAABMAAAAAAAAAAAAAAAEAAAAAAAAAAEAAACAgIAKAAAAACgAAAAoAAAAZAAAAGQAAAAAAAAAzMzMAAAAAABQAAAAUAAAAGQAAABkAAAAAAAAABcAAAAUAAAAAAAAAAAAAAD/fwAA/38AAAAAAAAJAAAABAAAAM9Aa2gMAAAAEAAAAAAAAAAAAAAAAAAAAAAAAAAeAAAAaAAAAAAAAAAAAAAAAAAAAAAAAAAAAAAAECcAABAnAAAAAAAAAAAAAAAAAAAAAAAAAAAAAAAAAAAAAAAAAAAAABQAAAAAAAAAwMD/AAAAAABkAAAAMgAAAAAAAABkAAAAAAAAAH9/fwAKAAAAHwAAAFQAAAAAAAAFAAAAAQAAAAAAAAAAAAAAAAAAAAAAAAAAAAAAAAAAAAAAAAAAAAAAAn9/fwAAAAADzMzMAMDA/wB/f38AAAAAAAAAAAAAAAAAAAAAAAAAAAAhAAAAGAAAABQAAADQAgAAGycAAPAPAABZKQAAEAAAACYAAAAIAAAAAAAAAAAAAAA="/>
+                <pr:smNativeData xmlns:pr="smNativeData" val="SMDATA_13_Zg2zYxMAAAAlAAAAZAAAAA8BAAAAkAAAAEgAAACQAAAASAAAAAAAAAABAAAAAAAAAAEAAABQAAAAAAAAAAAA4D8AAAAAAADgPwAAAAAAAOA/AAAAAAAA4D8AAAAAAADgPwAAAAAAAOA/AAAAAAAA4D8AAAAAAADgPwAAAAAAAOA/AAAAAAAA4D8CAAAAjAAAAAAAAAAAAAAAu+DjDP///wgAAAAAAAAAAAAAAAAAAAAAAAAAAAAAAAAAAAAAZAAAAAEAAABAAAAAAAAAAAAAAAAAAAAAAAAAAAAAAAAAAAAAAAAAAAAAAAAAAAAAAAAAAAAAAAAAAAAAAAAAAAAAAAAAAAAAAAAAAAAAAAAAAAAAAAAAAAAAAAAAAAAAFAAAADwAAAAAAAAAAAAAAAAAAAkUAAAAAQAAABQAAAAUAAAAFAAAAAEAAAAAAAAAZAAAAGQAAAAAAAAAZAAAAGQAAAAVAAAAYAAAAAAAAAAAAAAADwAAACADAAAAAAAAAAAAAAEAAACgMgAAVgcAAKr4//8BAAAAf39/AAEAAABkAAAAAAAAABQAAABAHwAAAAAAACYAAAAAAAAAwOD//wAAAAAmAAAAZAAAABYAAABMAAAAAAAAAAAAAAAEAAAAAAAAAAEAAACAgIAKAAAAACgAAAAoAAAAZAAAAGQAAAAAAAAAzMzMAAAAAABQAAAAUAAAAGQAAABkAAAAAAAAABcAAAAUAAAAAAAAAAAAAAD/fwAA/38AAAAAAAAJAAAABAAAAM9Aa2gMAAAAEAAAAAAAAAAAAAAAAAAAAAAAAAAeAAAAaAAAAAAAAAAAAAAAAAAAAAAAAAAAAAAAECcAABAnAAAAAAAAAAAAAAAAAAAAAAAAAAAAAAAAAAAAAAAAAAAAABQAAAAAAAAAwMD/AAAAAABkAAAAMgAAAAAAAABkAAAAAAAAAH9/fwAKAAAAHwAAAFQAAAAAAAAFAAAAAQAAAAAAAAAAAAAAAAAAAAAAAAAAAAAAAAAAAAAAAAAAAAAAAn9/fwAAAAADzMzMAMDA/wB/f38AAAAAAAAAAAAAAAAAAAAAAAAAAAAhAAAAGAAAABQAAADQAgAAGycAAPAPAABZKQAAEAAAACYAAAAIAAAAAAAAAAAAAAA="/>
               </a:ext>
             </a:extLst>
           </p:cNvSpPr>
@@ -1872,7 +1873,7 @@
           <a:lstStyle/>
           <a:p>
             <a:pPr/>
-            <a:fld id="{060895A7-E9EB-5D63-A5B0-1F36DBFE534A}" type="datetime1">
+            <a:fld id="{03A9CC91-DFEE-FC3A-A011-296F825F567C}" type="datetime1">
               <a:t/>
             </a:fld>
           </a:p>
@@ -1885,7 +1886,7 @@
             <a:spLocks noGrp="1" noChangeArrowheads="1"/>
             <a:extLst>
               <a:ext uri="smNativeData">
-                <pr:smNativeData xmlns:pr="smNativeData" val="SMDATA_13_4y+yYxMAAAAlAAAAZAAAAA8BAAAAkAAAAEgAAACQAAAASAAAAAAAAAABAAAAAAAAAAEAAABQAAAAAAAAAAAA4D8AAAAAAADgPwAAAAAAAOA/AAAAAAAA4D8AAAAAAADgPwAAAAAAAOA/AAAAAAAA4D8AAAAAAADgPwAAAAAAAOA/AAAAAAAA4D8CAAAAjAAAAAAAAAAAAAAAu+DjDP///wgAAAAAAAAAAAAAAAAAAAAAAAAAAAAAAAAAAAAAZAAAAAEAAABAAAAAAAAAAAAAAAAAAAAAAAAAAAAAAAAAAAAAAAAAAAAAAAAAAAAAAAAAAAAAAAAAAAAAAAAAAAAAAAAAAAAAAAAAAAAAAAAAAAAAAAAAAAAAAAAAAAAAFAAAADwAAAAAAAAAAAAAAAAAAAkUAAAAAQAAABQAAAAUAAAAFAAAAAEAAAAAAAAAZAAAAGQAAAAAAAAAZAAAAGQAAAAVAAAAYAAAAAAAAAAAAAAADwAAACADAAAAAAAAAAAAAAEAAACgMgAAVgcAAKr4//8BAAAAf39/AAEAAABkAAAAAAAAABQAAABAHwAAAAAAACYAAAAAAAAAwOD//wAAAAAmAAAAZAAAABYAAABMAAAAAAAAAAAAAAAEAAAAAAAAAAEAAACAgIAKAAAAACgAAAAoAAAAZAAAAGQAAAAAAAAAzMzMAAAAAABQAAAAUAAAAGQAAABkAAAAAAAAABcAAAAUAAAAAAAAAAAAAAD/fwAA/38AAAAAAAAJAAAABAAAAHJ+AwAMAAAAEAAAAAAAAAAAAAAAAAAAAAAAAAAeAAAAaAAAAAAAAAAAAAAAAAAAAAAAAAAAAAAAECcAABAnAAAAAAAAAAAAAAAAAAAAAAAAAAAAAAAAAAAAAAAAAAAAABQAAAAAAAAAwMD/AAAAAABkAAAAMgAAAAAAAABkAAAAAAAAAH9/fwAKAAAAHwAAAFQAAAAAAAAFAAAAAQAAAAAAAAAAAAAAAAAAAAAAAAAAAAAAAAAAAAAAAAAAAAAAAn9/fwAAAAADzMzMAMDA/wB/f38AAAAAAAAAAAAAAAAAAAAAAAAAAAAhAAAAGAAAABQAAAA4EwAAGycAAAglAABZKQAAEAAAACYAAAAIAAAAAAAAAAAAAAA="/>
+                <pr:smNativeData xmlns:pr="smNativeData" val="SMDATA_13_Zg2zYxMAAAAlAAAAZAAAAA8BAAAAkAAAAEgAAACQAAAASAAAAAAAAAABAAAAAAAAAAEAAABQAAAAAAAAAAAA4D8AAAAAAADgPwAAAAAAAOA/AAAAAAAA4D8AAAAAAADgPwAAAAAAAOA/AAAAAAAA4D8AAAAAAADgPwAAAAAAAOA/AAAAAAAA4D8CAAAAjAAAAAAAAAAAAAAAu+DjDP///wgAAAAAAAAAAAAAAAAAAAAAAAAAAAAAAAAAAAAAZAAAAAEAAABAAAAAAAAAAAAAAAAAAAAAAAAAAAAAAAAAAAAAAAAAAAAAAAAAAAAAAAAAAAAAAAAAAAAAAAAAAAAAAAAAAAAAAAAAAAAAAAAAAAAAAAAAAAAAAAAAAAAAFAAAADwAAAAAAAAAAAAAAAAAAAkUAAAAAQAAABQAAAAUAAAAFAAAAAEAAAAAAAAAZAAAAGQAAAAAAAAAZAAAAGQAAAAVAAAAYAAAAAAAAAAAAAAADwAAACADAAAAAAAAAAAAAAEAAACgMgAAVgcAAKr4//8BAAAAf39/AAEAAABkAAAAAAAAABQAAABAHwAAAAAAACYAAAAAAAAAwOD//wAAAAAmAAAAZAAAABYAAABMAAAAAAAAAAAAAAAEAAAAAAAAAAEAAACAgIAKAAAAACgAAAAoAAAAZAAAAGQAAAAAAAAAzMzMAAAAAABQAAAAUAAAAGQAAABkAAAAAAAAABcAAAAUAAAAAAAAAAAAAAD/fwAA/38AAAAAAAAJAAAABAAAAHJ+AwAMAAAAEAAAAAAAAAAAAAAAAAAAAAAAAAAeAAAAaAAAAAAAAAAAAAAAAAAAAAAAAAAAAAAAECcAABAnAAAAAAAAAAAAAAAAAAAAAAAAAAAAAAAAAAAAAAAAAAAAABQAAAAAAAAAwMD/AAAAAABkAAAAMgAAAAAAAABkAAAAAAAAAH9/fwAKAAAAHwAAAFQAAAAAAAAFAAAAAQAAAAAAAAAAAAAAAAAAAAAAAAAAAAAAAAAAAAAAAAAAAAAAAn9/fwAAAAADzMzMAMDA/wB/f38AAAAAAAAAAAAAAAAAAAAAAAAAAAAhAAAAGAAAABQAAAA4EwAAGycAAAglAABZKQAAEAAAACYAAAAIAAAAAAAAAAAAAAA="/>
               </a:ext>
             </a:extLst>
           </p:cNvSpPr>
@@ -1909,7 +1910,7 @@
             <a:spLocks noGrp="1" noChangeArrowheads="1"/>
             <a:extLst>
               <a:ext uri="smNativeData">
-                <pr:smNativeData xmlns:pr="smNativeData" val="SMDATA_13_4y+yYxMAAAAlAAAAZAAAAA8BAAAAkAAAAEgAAACQAAAASAAAAAAAAAABAAAAAAAAAAEAAABQAAAAAAAAAAAA4D8AAAAAAADgPwAAAAAAAOA/AAAAAAAA4D8AAAAAAADgPwAAAAAAAOA/AAAAAAAA4D8AAAAAAADgPwAAAAAAAOA/AAAAAAAA4D8CAAAAjAAAAAAAAAAAAAAAu+DjDP///wgAAAAAAAAAAAAAAAAAAAAAAAAAAAAAAAAAAAAAZAAAAAEAAABAAAAAAAAAAAAAAAAAAAAAAAAAAAAAAAAAAAAAAAAAAAAAAAAAAAAAAAAAAAAAAAAAAAAAAAAAAAAAAAAAAAAAAAAAAAAAAAAAAAAAAAAAAAAAAAAAAAAAFAAAADwAAAAAAAAAAAAAAAAAAAkUAAAAAQAAABQAAAAUAAAAFAAAAAEAAAAAAAAAZAAAAGQAAAAAAAAAZAAAAGQAAAAVAAAAYAAAAAAAAAAAAAAADwAAACADAAAAAAAAAAAAAAEAAACgMgAAVgcAAKr4//8BAAAAf39/AAEAAABkAAAAAAAAABQAAABAHwAAAAAAACYAAAAAAAAAwOD//wAAAAAmAAAAZAAAABYAAABMAAAAAAAAAAAAAAAEAAAAAAAAAAEAAACAgIAKAAAAACgAAAAoAAAAZAAAAGQAAAAAAAAAzMzMAAAAAABQAAAAUAAAAGQAAABkAAAAAAAAABcAAAAUAAAAAAAAAAAAAAD/fwAA/38AAAAAAAAJAAAABAAAAKVGcaEMAAAAEAAAAAAAAAAAAAAAAAAAAAAAAAAeAAAAaAAAAAAAAAAAAAAAAAAAAAAAAAAAAAAAECcAABAnAAAAAAAAAAAAAAAAAAAAAAAAAAAAAAAAAAAAAAAAAAAAABQAAAAAAAAAwMD/AAAAAABkAAAAMgAAAAAAAABkAAAAAAAAAH9/fwAKAAAAHwAAAFQAAAAAAAAFAAAAAQAAAAAAAAAAAAAAAAAAAAAAAAAAAAAAAAAAAAAAAAAAAAAAAn9/fwAAAAADzMzMAMDA/wB/f38AAAAAAAAAAAAAAAAAAAAAAAAAAAAhAAAAGAAAABQAAABQKAAAGycAAHA1AABZKQAAEAAAACYAAAAIAAAAAAAAAAAAAAA="/>
+                <pr:smNativeData xmlns:pr="smNativeData" val="SMDATA_13_Zg2zYxMAAAAlAAAAZAAAAA8BAAAAkAAAAEgAAACQAAAASAAAAAAAAAABAAAAAAAAAAEAAABQAAAAAAAAAAAA4D8AAAAAAADgPwAAAAAAAOA/AAAAAAAA4D8AAAAAAADgPwAAAAAAAOA/AAAAAAAA4D8AAAAAAADgPwAAAAAAAOA/AAAAAAAA4D8CAAAAjAAAAAAAAAAAAAAAu+DjDP///wgAAAAAAAAAAAAAAAAAAAAAAAAAAAAAAAAAAAAAZAAAAAEAAABAAAAAAAAAAAAAAAAAAAAAAAAAAAAAAAAAAAAAAAAAAAAAAAAAAAAAAAAAAAAAAAAAAAAAAAAAAAAAAAAAAAAAAAAAAAAAAAAAAAAAAAAAAAAAAAAAAAAAFAAAADwAAAAAAAAAAAAAAAAAAAkUAAAAAQAAABQAAAAUAAAAFAAAAAEAAAAAAAAAZAAAAGQAAAAAAAAAZAAAAGQAAAAVAAAAYAAAAAAAAAAAAAAADwAAACADAAAAAAAAAAAAAAEAAACgMgAAVgcAAKr4//8BAAAAf39/AAEAAABkAAAAAAAAABQAAABAHwAAAAAAACYAAAAAAAAAwOD//wAAAAAmAAAAZAAAABYAAABMAAAAAAAAAAAAAAAEAAAAAAAAAAEAAACAgIAKAAAAACgAAAAoAAAAZAAAAGQAAAAAAAAAzMzMAAAAAABQAAAAUAAAAGQAAABkAAAAAAAAABcAAAAUAAAAAAAAAAAAAAD/fwAA/38AAAAAAAAJAAAABAAAAKVGcaEMAAAAEAAAAAAAAAAAAAAAAAAAAAAAAAAeAAAAaAAAAAAAAAAAAAAAAAAAAAAAAAAAAAAAECcAABAnAAAAAAAAAAAAAAAAAAAAAAAAAAAAAAAAAAAAAAAAAAAAABQAAAAAAAAAwMD/AAAAAABkAAAAMgAAAAAAAABkAAAAAAAAAH9/fwAKAAAAHwAAAFQAAAAAAAAFAAAAAQAAAAAAAAAAAAAAAAAAAAAAAAAAAAAAAAAAAAAAAAAAAAAAAn9/fwAAAAADzMzMAMDA/wB/f38AAAAAAAAAAAAAAAAAAAAAAAAAAAAhAAAAGAAAABQAAABQKAAAGycAAHA1AABZKQAAEAAAACYAAAAIAAAAAAAAAAAAAAA="/>
               </a:ext>
             </a:extLst>
           </p:cNvSpPr>
@@ -1923,7 +1924,7 @@
           <a:lstStyle/>
           <a:p>
             <a:pPr/>
-            <a:fld id="{06089468-26EB-5D62-A5B0-D037DAFE5385}" type="slidenum">
+            <a:fld id="{03A9AA69-27EE-FC5C-A011-D109E45F5684}" type="slidenum">
               <a:t/>
             </a:fld>
           </a:p>
@@ -1961,7 +1962,7 @@
             <a:spLocks noGrp="1" noChangeArrowheads="1"/>
             <a:extLst>
               <a:ext uri="smNativeData">
-                <pr:smNativeData xmlns:pr="smNativeData" val="SMDATA_13_4y+yYxMAAAAlAAAAZAAAAA8BAAAAkAAAAEgAAACQAAAASAAAAAAAAAABAAAAAAAAAAEAAABQAAAAAAAAAAAA4D8AAAAAAADgPwAAAAAAAOA/AAAAAAAA4D8AAAAAAADgPwAAAAAAAOA/AAAAAAAA4D8AAAAAAADgPwAAAAAAAOA/AAAAAAAA4D8CAAAAjAAAAAAAAAAAAAAAu+DjDP///wgAAAAAAAAAAAAAAAAAAAAAAAAAAAAAAAAAAAAAZAAAAAEAAABAAAAAAAAAAAAAAAAAAAAAAAAAAAAAAAAAAAAAAAAAAAAAAAAAAAAAAAAAAAAAAAAAAAAAAAAAAAAAAAAAAAAAAAAAAAAAAAAAAAAAAAAAAAAAAAAAAAAAFAAAADwAAAAAAAAAAAAAAAAAAAkUAAAAAQAAABQAAAAUAAAAFAAAAAEAAAAAAAAAZAAAAGQAAAAAAAAAZAAAAGQAAAAVAAAAYAAAAAAAAAAAAAAADwAAACADAAAAAAAAAAAAAAEAAACgMgAAVgcAAKr4//8BAAAAf39/AAEAAABkAAAAAAAAABQAAABAHwAAAAAAACYAAAAAAAAAwOD//wAAAAAmAAAAZAAAABYAAABMAAAAAAAAAAAAAAAEAAAAAAAAAAEAAACAgIAKAAAAACgAAAAoAAAAZAAAAGQAAAAAAAAAzMzMAAAAAABQAAAAUAAAAGQAAABkAAAAAAAAABcAAAAUAAAAAAAAAAAAAAD/fwAA/38AAAAAAAAJAAAABAAAAAAAAAAMAAAAEAAAAAAAAAAAAAAAAAAAAAAAAAAeAAAAaAAAAAAAAAAAAAAAAAAAAAAAAAAAAAAAECcAABAnAAAAAAAAAAAAAAAAAAAAAAAAAAAAAAAAAAAAAAAAAAAAABQAAAAAAAAAwMD/AAAAAABkAAAAMgAAAAAAAABkAAAAAAAAAH9/fwAKAAAAHwAAAFQAAAAAAAAFAAAAAQAAAAAAAAAAAAAAAAAAAAAAAAAAAAAAAAAAAAAAAAAAAAAAAn9/fwAAAAADzMzMAMDA/wB/f38AAAAAAAAAAAAAAAAAAAAAAAAAAAAhAAAAGAAAABQAAADQAgAAsAEAAHA1AAC4CAAAEAAAACYAAAAIAAAAAAAAAAAAAAA="/>
+                <pr:smNativeData xmlns:pr="smNativeData" val="SMDATA_13_Zg2zYxMAAAAlAAAAZAAAAA8BAAAAkAAAAEgAAACQAAAASAAAAAAAAAABAAAAAAAAAAEAAABQAAAAAAAAAAAA4D8AAAAAAADgPwAAAAAAAOA/AAAAAAAA4D8AAAAAAADgPwAAAAAAAOA/AAAAAAAA4D8AAAAAAADgPwAAAAAAAOA/AAAAAAAA4D8CAAAAjAAAAAAAAAAAAAAAu+DjDP///wgAAAAAAAAAAAAAAAAAAAAAAAAAAAAAAAAAAAAAZAAAAAEAAABAAAAAAAAAAAAAAAAAAAAAAAAAAAAAAAAAAAAAAAAAAAAAAAAAAAAAAAAAAAAAAAAAAAAAAAAAAAAAAAAAAAAAAAAAAAAAAAAAAAAAAAAAAAAAAAAAAAAAFAAAADwAAAAAAAAAAAAAAAAAAAkUAAAAAQAAABQAAAAUAAAAFAAAAAEAAAAAAAAAZAAAAGQAAAAAAAAAZAAAAGQAAAAVAAAAYAAAAAAAAAAAAAAADwAAACADAAAAAAAAAAAAAAEAAACgMgAAVgcAAKr4//8BAAAAf39/AAEAAABkAAAAAAAAABQAAABAHwAAAAAAACYAAAAAAAAAwOD//wAAAAAmAAAAZAAAABYAAABMAAAAAAAAAAAAAAAEAAAAAAAAAAEAAACAgIAKAAAAACgAAAAoAAAAZAAAAGQAAAAAAAAAzMzMAAAAAABQAAAAUAAAAGQAAABkAAAAAAAAABcAAAAUAAAAAAAAAAAAAAD/fwAA/38AAAAAAAAJAAAABAAAAAAAAAAMAAAAEAAAAAAAAAAAAAAAAAAAAAAAAAAeAAAAaAAAAAAAAAAAAAAAAAAAAAAAAAAAAAAAECcAABAnAAAAAAAAAAAAAAAAAAAAAAAAAAAAAAAAAAAAAAAAAAAAABQAAAAAAAAAwMD/AAAAAABkAAAAMgAAAAAAAABkAAAAAAAAAH9/fwAKAAAAHwAAAFQAAAAAAAAFAAAAAQAAAAAAAAAAAAAAAAAAAAAAAAAAAAAAAAAAAAAAAAAAAAAAAn9/fwAAAAADzMzMAMDA/wB/f38AAAAAAAAAAAAAAAAAAAAAAAAAAAAhAAAAGAAAABQAAADQAgAAsAEAAHA1AAC4CAAAEAAAACYAAAAIAAAAAAAAAAAAAAA="/>
               </a:ext>
             </a:extLst>
           </p:cNvSpPr>
@@ -1988,7 +1989,7 @@
             <a:spLocks noGrp="1" noChangeArrowheads="1"/>
             <a:extLst>
               <a:ext uri="smNativeData">
-                <pr:smNativeData xmlns:pr="smNativeData" val="SMDATA_13_4y+yYxMAAAAlAAAAZAAAAA8BAAAAkAAAAEgAAACQAAAASAAAAAAAAAABAAAAAAAAAAEAAABQAAAAAAAAAAAA4D8AAAAAAADgPwAAAAAAAOA/AAAAAAAA4D8AAAAAAADgPwAAAAAAAOA/AAAAAAAA4D8AAAAAAADgPwAAAAAAAOA/AAAAAAAA4D8CAAAAjAAAAAAAAAAAAAAAu+DjDP///wgAAAAAAAAAAAAAAAAAAAAAAAAAAAAAAAAAAAAAZAAAAAEAAABAAAAAAAAAAAAAAAAAAAAAAAAAAAAAAAAAAAAAAAAAAAAAAAAAAAAAAAAAAAAAAAAAAAAAAAAAAAAAAAAAAAAAAAAAAAAAAAAAAAAAAAAAAAAAAAAAAAAAFAAAADwAAAAAAAAAAAAAAAAAAAkUAAAAAQAAABQAAAAUAAAAFAAAAAEAAAAAAAAAZAAAAGQAAAAAAAAAZAAAAGQAAAAVAAAAYAAAAAAAAAAAAAAADwAAACADAAAAAAAAAAAAAAEAAACgMgAAVgcAAKr4//8BAAAAf39/AAEAAABkAAAAAAAAABQAAABAHwAAAAAAACYAAAAAAAAAwOD//wAAAAAmAAAAZAAAABYAAABMAAAAAAAAAAAAAAAEAAAAAAAAAAEAAACAgIAKAAAAACgAAAAoAAAAZAAAAGQAAAAAAAAAzMzMAAAAAABQAAAAUAAAAGQAAABkAAAAAAAAABcAAAAUAAAAAAAAAAAAAAD/fwAA/38AAAAAAAAJAAAABAAAAAAAAAAMAAAAEAAAAAAAAAAAAAAAAAAAAAAAAAAeAAAAaAAAAAAAAAAAAAAAAAAAAAAAAAAAAAAAECcAABAnAAAAAAAAAAAAAAAAAAAAAAAAAAAAAAAAAAAAAAAAAAAAABQAAAAAAAAAwMD/AAAAAABkAAAAMgAAAAAAAABkAAAAAAAAAH9/fwAKAAAAHwAAAFQAAAAAAAAFAAAAAQAAAAAAAAAAAAAAAAAAAAAAAAAAAAAAAAAAAAAAAAAAAAAAAn9/fwAAAAADzMzMAMDA/wB/f38AAAAAAAAAAAAAAAAAAAAAAAAAAAAhAAAAGAAAABQAAADQAgAAGycAAPAPAABZKQAAEAAAACYAAAAIAAAAAAAAAAAAAAA="/>
+                <pr:smNativeData xmlns:pr="smNativeData" val="SMDATA_13_Zg2zYxMAAAAlAAAAZAAAAA8BAAAAkAAAAEgAAACQAAAASAAAAAAAAAABAAAAAAAAAAEAAABQAAAAAAAAAAAA4D8AAAAAAADgPwAAAAAAAOA/AAAAAAAA4D8AAAAAAADgPwAAAAAAAOA/AAAAAAAA4D8AAAAAAADgPwAAAAAAAOA/AAAAAAAA4D8CAAAAjAAAAAAAAAAAAAAAu+DjDP///wgAAAAAAAAAAAAAAAAAAAAAAAAAAAAAAAAAAAAAZAAAAAEAAABAAAAAAAAAAAAAAAAAAAAAAAAAAAAAAAAAAAAAAAAAAAAAAAAAAAAAAAAAAAAAAAAAAAAAAAAAAAAAAAAAAAAAAAAAAAAAAAAAAAAAAAAAAAAAAAAAAAAAFAAAADwAAAAAAAAAAAAAAAAAAAkUAAAAAQAAABQAAAAUAAAAFAAAAAEAAAAAAAAAZAAAAGQAAAAAAAAAZAAAAGQAAAAVAAAAYAAAAAAAAAAAAAAADwAAACADAAAAAAAAAAAAAAEAAACgMgAAVgcAAKr4//8BAAAAf39/AAEAAABkAAAAAAAAABQAAABAHwAAAAAAACYAAAAAAAAAwOD//wAAAAAmAAAAZAAAABYAAABMAAAAAAAAAAAAAAAEAAAAAAAAAAEAAACAgIAKAAAAACgAAAAoAAAAZAAAAGQAAAAAAAAAzMzMAAAAAABQAAAAUAAAAGQAAABkAAAAAAAAABcAAAAUAAAAAAAAAAAAAAD/fwAA/38AAAAAAAAJAAAABAAAAAAAAAAMAAAAEAAAAAAAAAAAAAAAAAAAAAAAAAAeAAAAaAAAAAAAAAAAAAAAAAAAAAAAAAAAAAAAECcAABAnAAAAAAAAAAAAAAAAAAAAAAAAAAAAAAAAAAAAAAAAAAAAABQAAAAAAAAAwMD/AAAAAABkAAAAMgAAAAAAAABkAAAAAAAAAH9/fwAKAAAAHwAAAFQAAAAAAAAFAAAAAQAAAAAAAAAAAAAAAAAAAAAAAAAAAAAAAAAAAAAAAAAAAAAAAn9/fwAAAAADzMzMAMDA/wB/f38AAAAAAAAAAAAAAAAAAAAAAAAAAAAhAAAAGAAAABQAAADQAgAAGycAAPAPAABZKQAAEAAAACYAAAAIAAAAAAAAAAAAAAA="/>
               </a:ext>
             </a:extLst>
           </p:cNvSpPr>
@@ -2002,7 +2003,7 @@
           <a:lstStyle/>
           <a:p>
             <a:pPr/>
-            <a:fld id="{0608D15E-10EB-5D27-A5B0-E6729FFE53B3}" type="datetime1">
+            <a:fld id="{03A9BA05-4BEE-FC4C-A011-BD19F45F56E8}" type="datetime1">
               <a:t/>
             </a:fld>
           </a:p>
@@ -2015,7 +2016,7 @@
             <a:spLocks noGrp="1" noChangeArrowheads="1"/>
             <a:extLst>
               <a:ext uri="smNativeData">
-                <pr:smNativeData xmlns:pr="smNativeData" val="SMDATA_13_4y+yYxMAAAAlAAAAZAAAAA8BAAAAkAAAAEgAAACQAAAASAAAAAAAAAABAAAAAAAAAAEAAABQAAAAAAAAAAAA4D8AAAAAAADgPwAAAAAAAOA/AAAAAAAA4D8AAAAAAADgPwAAAAAAAOA/AAAAAAAA4D8AAAAAAADgPwAAAAAAAOA/AAAAAAAA4D8CAAAAjAAAAAAAAAAAAAAAu+DjDP///wgAAAAAAAAAAAAAAAAAAAAAAAAAAAAAAAAAAAAAZAAAAAEAAABAAAAAAAAAAAAAAAAAAAAAAAAAAAAAAAAAAAAAAAAAAAAAAAAAAAAAAAAAAAAAAAAAAAAAAAAAAAAAAAAAAAAAAAAAAAAAAAAAAAAAAAAAAAAAAAAAAAAAFAAAADwAAAAAAAAAAAAAAAAAAAkUAAAAAQAAABQAAAAUAAAAFAAAAAEAAAAAAAAAZAAAAGQAAAAAAAAAZAAAAGQAAAAVAAAAYAAAAAAAAAAAAAAADwAAACADAAAAAAAAAAAAAAEAAACgMgAAVgcAAKr4//8BAAAAf39/AAEAAABkAAAAAAAAABQAAABAHwAAAAAAACYAAAAAAAAAwOD//wAAAAAmAAAAZAAAABYAAABMAAAAAAAAAAAAAAAEAAAAAAAAAAEAAACAgIAKAAAAACgAAAAoAAAAZAAAAGQAAAAAAAAAzMzMAAAAAABQAAAAUAAAAGQAAABkAAAAAAAAABcAAAAUAAAAAAAAAAAAAAD/fwAA/38AAAAAAAAJAAAABAAAAAAAAAAMAAAAEAAAAAAAAAAAAAAAAAAAAAAAAAAeAAAAaAAAAAAAAAAAAAAAAAAAAAAAAAAAAAAAECcAABAnAAAAAAAAAAAAAAAAAAAAAAAAAAAAAAAAAAAAAAAAAAAAABQAAAAAAAAAwMD/AAAAAABkAAAAMgAAAAAAAABkAAAAAAAAAH9/fwAKAAAAHwAAAFQAAAAAAAAFAAAAAQAAAAAAAAAAAAAAAAAAAAAAAAAAAAAAAAAAAAAAAAAAAAAAAn9/fwAAAAADzMzMAMDA/wB/f38AAAAAAAAAAAAAAAAAAAAAAAAAAAAhAAAAGAAAABQAAAA4EwAAGycAAAglAABZKQAAEAAAACYAAAAIAAAAAAAAAAAAAAA="/>
+                <pr:smNativeData xmlns:pr="smNativeData" val="SMDATA_13_Zg2zYxMAAAAlAAAAZAAAAA8BAAAAkAAAAEgAAACQAAAASAAAAAAAAAABAAAAAAAAAAEAAABQAAAAAAAAAAAA4D8AAAAAAADgPwAAAAAAAOA/AAAAAAAA4D8AAAAAAADgPwAAAAAAAOA/AAAAAAAA4D8AAAAAAADgPwAAAAAAAOA/AAAAAAAA4D8CAAAAjAAAAAAAAAAAAAAAu+DjDP///wgAAAAAAAAAAAAAAAAAAAAAAAAAAAAAAAAAAAAAZAAAAAEAAABAAAAAAAAAAAAAAAAAAAAAAAAAAAAAAAAAAAAAAAAAAAAAAAAAAAAAAAAAAAAAAAAAAAAAAAAAAAAAAAAAAAAAAAAAAAAAAAAAAAAAAAAAAAAAAAAAAAAAFAAAADwAAAAAAAAAAAAAAAAAAAkUAAAAAQAAABQAAAAUAAAAFAAAAAEAAAAAAAAAZAAAAGQAAAAAAAAAZAAAAGQAAAAVAAAAYAAAAAAAAAAAAAAADwAAACADAAAAAAAAAAAAAAEAAACgMgAAVgcAAKr4//8BAAAAf39/AAEAAABkAAAAAAAAABQAAABAHwAAAAAAACYAAAAAAAAAwOD//wAAAAAmAAAAZAAAABYAAABMAAAAAAAAAAAAAAAEAAAAAAAAAAEAAACAgIAKAAAAACgAAAAoAAAAZAAAAGQAAAAAAAAAzMzMAAAAAABQAAAAUAAAAGQAAABkAAAAAAAAABcAAAAUAAAAAAAAAAAAAAD/fwAA/38AAAAAAAAJAAAABAAAAAAAAAAMAAAAEAAAAAAAAAAAAAAAAAAAAAAAAAAeAAAAaAAAAAAAAAAAAAAAAAAAAAAAAAAAAAAAECcAABAnAAAAAAAAAAAAAAAAAAAAAAAAAAAAAAAAAAAAAAAAAAAAABQAAAAAAAAAwMD/AAAAAABkAAAAMgAAAAAAAABkAAAAAAAAAH9/fwAKAAAAHwAAAFQAAAAAAAAFAAAAAQAAAAAAAAAAAAAAAAAAAAAAAAAAAAAAAAAAAAAAAAAAAAAAAn9/fwAAAAADzMzMAMDA/wB/f38AAAAAAAAAAAAAAAAAAAAAAAAAAAAhAAAAGAAAABQAAAA4EwAAGycAAAglAABZKQAAEAAAACYAAAAIAAAAAAAAAAAAAAA="/>
               </a:ext>
             </a:extLst>
           </p:cNvSpPr>
@@ -2039,7 +2040,7 @@
             <a:spLocks noGrp="1" noChangeArrowheads="1"/>
             <a:extLst>
               <a:ext uri="smNativeData">
-                <pr:smNativeData xmlns:pr="smNativeData" val="SMDATA_13_4y+yYxMAAAAlAAAAZAAAAA8BAAAAkAAAAEgAAACQAAAASAAAAAAAAAABAAAAAAAAAAEAAABQAAAAAAAAAAAA4D8AAAAAAADgPwAAAAAAAOA/AAAAAAAA4D8AAAAAAADgPwAAAAAAAOA/AAAAAAAA4D8AAAAAAADgPwAAAAAAAOA/AAAAAAAA4D8CAAAAjAAAAAAAAAAAAAAAu+DjDP///wgAAAAAAAAAAAAAAAAAAAAAAAAAAAAAAAAAAAAAZAAAAAEAAABAAAAAAAAAAAAAAAAAAAAAAAAAAAAAAAAAAAAAAAAAAAAAAAAAAAAAAAAAAAAAAAAAAAAAAAAAAAAAAAAAAAAAAAAAAAAAAAAAAAAAAAAAAAAAAAAAAAAAFAAAADwAAAAAAAAAAAAAAAAAAAkUAAAAAQAAABQAAAAUAAAAFAAAAAEAAAAAAAAAZAAAAGQAAAAAAAAAZAAAAGQAAAAVAAAAYAAAAAAAAAAAAAAADwAAACADAAAAAAAAAAAAAAEAAACgMgAAVgcAAKr4//8BAAAAf39/AAEAAABkAAAAAAAAABQAAABAHwAAAAAAACYAAAAAAAAAwOD//wAAAAAmAAAAZAAAABYAAABMAAAAAAAAAAAAAAAEAAAAAAAAAAEAAACAgIAKAAAAACgAAAAoAAAAZAAAAGQAAAAAAAAAzMzMAAAAAABQAAAAUAAAAGQAAABkAAAAAAAAABcAAAAUAAAAAAAAAAAAAAD/fwAA/38AAAAAAAAJAAAABAAAAAAAAAAMAAAAEAAAAAAAAAAAAAAAAAAAAAAAAAAeAAAAaAAAAAAAAAAAAAAAAAAAAAAAAAAAAAAAECcAABAnAAAAAAAAAAAAAAAAAAAAAAAAAAAAAAAAAAAAAAAAAAAAABQAAAAAAAAAwMD/AAAAAABkAAAAMgAAAAAAAABkAAAAAAAAAH9/fwAKAAAAHwAAAFQAAAAAAAAFAAAAAQAAAAAAAAAAAAAAAAAAAAAAAAAAAAAAAAAAAAAAAAAAAAAAAn9/fwAAAAADzMzMAMDA/wB/f38AAAAAAAAAAAAAAAAAAAAAAAAAAAAhAAAAGAAAABQAAABQKAAAGycAAHA1AABZKQAAEAAAACYAAAAIAAAAAAAAAAAAAAA="/>
+                <pr:smNativeData xmlns:pr="smNativeData" val="SMDATA_13_Zg2zYxMAAAAlAAAAZAAAAA8BAAAAkAAAAEgAAACQAAAASAAAAAAAAAABAAAAAAAAAAEAAABQAAAAAAAAAAAA4D8AAAAAAADgPwAAAAAAAOA/AAAAAAAA4D8AAAAAAADgPwAAAAAAAOA/AAAAAAAA4D8AAAAAAADgPwAAAAAAAOA/AAAAAAAA4D8CAAAAjAAAAAAAAAAAAAAAu+DjDP///wgAAAAAAAAAAAAAAAAAAAAAAAAAAAAAAAAAAAAAZAAAAAEAAABAAAAAAAAAAAAAAAAAAAAAAAAAAAAAAAAAAAAAAAAAAAAAAAAAAAAAAAAAAAAAAAAAAAAAAAAAAAAAAAAAAAAAAAAAAAAAAAAAAAAAAAAAAAAAAAAAAAAAFAAAADwAAAAAAAAAAAAAAAAAAAkUAAAAAQAAABQAAAAUAAAAFAAAAAEAAAAAAAAAZAAAAGQAAAAAAAAAZAAAAGQAAAAVAAAAYAAAAAAAAAAAAAAADwAAACADAAAAAAAAAAAAAAEAAACgMgAAVgcAAKr4//8BAAAAf39/AAEAAABkAAAAAAAAABQAAABAHwAAAAAAACYAAAAAAAAAwOD//wAAAAAmAAAAZAAAABYAAABMAAAAAAAAAAAAAAAEAAAAAAAAAAEAAACAgIAKAAAAACgAAAAoAAAAZAAAAGQAAAAAAAAAzMzMAAAAAABQAAAAUAAAAGQAAABkAAAAAAAAABcAAAAUAAAAAAAAAAAAAAD/fwAA/38AAAAAAAAJAAAABAAAAAAAAAAMAAAAEAAAAAAAAAAAAAAAAAAAAAAAAAAeAAAAaAAAAAAAAAAAAAAAAAAAAAAAAAAAAAAAECcAABAnAAAAAAAAAAAAAAAAAAAAAAAAAAAAAAAAAAAAAAAAAAAAABQAAAAAAAAAwMD/AAAAAABkAAAAMgAAAAAAAABkAAAAAAAAAH9/fwAKAAAAHwAAAFQAAAAAAAAFAAAAAQAAAAAAAAAAAAAAAAAAAAAAAAAAAAAAAAAAAAAAAAAAAAAAAn9/fwAAAAADzMzMAMDA/wB/f38AAAAAAAAAAAAAAAAAAAAAAAAAAAAhAAAAGAAAABQAAABQKAAAGycAAHA1AABZKQAAEAAAACYAAAAIAAAAAAAAAAAAAAA="/>
               </a:ext>
             </a:extLst>
           </p:cNvSpPr>
@@ -2053,7 +2054,7 @@
           <a:lstStyle/>
           <a:p>
             <a:pPr/>
-            <a:fld id="{060897B0-FEEB-5D61-A5B0-0834D9FE535D}" type="slidenum">
+            <a:fld id="{03A9BDBB-F5EE-FC4B-A011-031EF35F5656}" type="slidenum">
               <a:t/>
             </a:fld>
           </a:p>
@@ -2091,7 +2092,7 @@
             <a:spLocks noGrp="1" noChangeArrowheads="1"/>
             <a:extLst>
               <a:ext uri="smNativeData">
-                <pr:smNativeData xmlns:pr="smNativeData" val="SMDATA_13_4y+yYxMAAAAlAAAAZAAAAA8BAAAAkAAAAEgAAACQAAAASAAAAAAAAAABAAAAAAAAAAEAAABQAAAAAAAAAAAA4D8AAAAAAADgPwAAAAAAAOA/AAAAAAAA4D8AAAAAAADgPwAAAAAAAOA/AAAAAAAA4D8AAAAAAADgPwAAAAAAAOA/AAAAAAAA4D8CAAAAjAAAAAAAAAAAAAAAu+DjDP///wgAAAAAAAAAAAAAAAAAAAAAAAAAAAAAAAAAAAAAZAAAAAEAAABAAAAAAAAAAAAAAAAAAAAAAAAAAAAAAAAAAAAAAAAAAAAAAAAAAAAAAAAAAAAAAAAAAAAAAAAAAAAAAAAAAAAAAAAAAAAAAAAAAAAAAAAAAAAAAAAAAAAAFAAAADwAAAAAAAAAAAAAAAAAAAkUAAAAAQAAABQAAAAUAAAAFAAAAAEAAAAAAAAAZAAAAGQAAAAAAAAAZAAAAGQAAAAVAAAAYAAAAAAAAAAAAAAADwAAACADAAAAAAAAAAAAAAEAAACgMgAAVgcAAKr4//8BAAAAf39/AAEAAABkAAAAAAAAABQAAABAHwAAAAAAACYAAAAAAAAAwOD//wAAAAAmAAAAZAAAABYAAABMAAAAAAAAAAAAAAAEAAAAAAAAAAEAAACAgIAKAAAAACgAAAAoAAAAZAAAAGQAAAAAAAAAzMzMAAAAAABQAAAAUAAAAGQAAABkAAAAAAAAABcAAAAUAAAAAAAAAAAAAAD/fwAA/38AAAAAAAAJAAAABAAAAAAAAAAMAAAAEAAAAAAAAAAAAAAAAAAAAAAAAAAeAAAAaAAAAAAAAAAAAAAAAAAAAAAAAAAAAAAAECcAABAnAAAAAAAAAAAAAAAAAAAAAAAAAAAAAAAAAAAAAAAAAAAAABQAAAAAAAAAwMD/AAAAAABkAAAAMgAAAAAAAABkAAAAAAAAAH9/fwAKAAAAHwAAAFQAAAAAAAAFAAAAAQAAAAAAAAAAAAAAAAAAAAAAAAAAAAAAAAAAAAAAAAAAAAAAAn9/fwAAAAADzMzMAMDA/wB/f38AAAAAAAAAAAAAAAAAAAAAAAAAAAAhAAAAGAAAABQAAADQAgAAGycAAPAPAABZKQAAEAAAACYAAAAIAAAAAAAAAAAAAAA="/>
+                <pr:smNativeData xmlns:pr="smNativeData" val="SMDATA_13_Zg2zYxMAAAAlAAAAZAAAAA8BAAAAkAAAAEgAAACQAAAASAAAAAAAAAABAAAAAAAAAAEAAABQAAAAAAAAAAAA4D8AAAAAAADgPwAAAAAAAOA/AAAAAAAA4D8AAAAAAADgPwAAAAAAAOA/AAAAAAAA4D8AAAAAAADgPwAAAAAAAOA/AAAAAAAA4D8CAAAAjAAAAAAAAAAAAAAAu+DjDP///wgAAAAAAAAAAAAAAAAAAAAAAAAAAAAAAAAAAAAAZAAAAAEAAABAAAAAAAAAAAAAAAAAAAAAAAAAAAAAAAAAAAAAAAAAAAAAAAAAAAAAAAAAAAAAAAAAAAAAAAAAAAAAAAAAAAAAAAAAAAAAAAAAAAAAAAAAAAAAAAAAAAAAFAAAADwAAAAAAAAAAAAAAAAAAAkUAAAAAQAAABQAAAAUAAAAFAAAAAEAAAAAAAAAZAAAAGQAAAAAAAAAZAAAAGQAAAAVAAAAYAAAAAAAAAAAAAAADwAAACADAAAAAAAAAAAAAAEAAACgMgAAVgcAAKr4//8BAAAAf39/AAEAAABkAAAAAAAAABQAAABAHwAAAAAAACYAAAAAAAAAwOD//wAAAAAmAAAAZAAAABYAAABMAAAAAAAAAAAAAAAEAAAAAAAAAAEAAACAgIAKAAAAACgAAAAoAAAAZAAAAGQAAAAAAAAAzMzMAAAAAABQAAAAUAAAAGQAAABkAAAAAAAAABcAAAAUAAAAAAAAAAAAAAD/fwAA/38AAAAAAAAJAAAABAAAAAAAAAAMAAAAEAAAAAAAAAAAAAAAAAAAAAAAAAAeAAAAaAAAAAAAAAAAAAAAAAAAAAAAAAAAAAAAECcAABAnAAAAAAAAAAAAAAAAAAAAAAAAAAAAAAAAAAAAAAAAAAAAABQAAAAAAAAAwMD/AAAAAABkAAAAMgAAAAAAAABkAAAAAAAAAH9/fwAKAAAAHwAAAFQAAAAAAAAFAAAAAQAAAAAAAAAAAAAAAAAAAAAAAAAAAAAAAAAAAAAAAAAAAAAAAn9/fwAAAAADzMzMAMDA/wB/f38AAAAAAAAAAAAAAAAAAAAAAAAAAAAhAAAAGAAAABQAAADQAgAAGycAAPAPAABZKQAAEAAAACYAAAAIAAAAAAAAAAAAAAA="/>
               </a:ext>
             </a:extLst>
           </p:cNvSpPr>
@@ -2105,7 +2106,7 @@
           <a:lstStyle/>
           <a:p>
             <a:pPr/>
-            <a:fld id="{0608A31C-52EB-5D55-A5B0-A400EDFE53F1}" type="datetime1">
+            <a:fld id="{03A9BDC1-8FEE-FC4B-A011-791EF35F562C}" type="datetime1">
               <a:t/>
             </a:fld>
           </a:p>
@@ -2118,7 +2119,7 @@
             <a:spLocks noGrp="1" noChangeArrowheads="1"/>
             <a:extLst>
               <a:ext uri="smNativeData">
-                <pr:smNativeData xmlns:pr="smNativeData" val="SMDATA_13_4y+yYxMAAAAlAAAAZAAAAA8BAAAAkAAAAEgAAACQAAAASAAAAAAAAAABAAAAAAAAAAEAAABQAAAAAAAAAAAA4D8AAAAAAADgPwAAAAAAAOA/AAAAAAAA4D8AAAAAAADgPwAAAAAAAOA/AAAAAAAA4D8AAAAAAADgPwAAAAAAAOA/AAAAAAAA4D8CAAAAjAAAAAAAAAAAAAAAu+DjDP///wgAAAAAAAAAAAAAAAAAAAAAAAAAAAAAAAAAAAAAZAAAAAEAAABAAAAAAAAAAAAAAAAAAAAAAAAAAAAAAAAAAAAAAAAAAAAAAAAAAAAAAAAAAAAAAAAAAAAAAAAAAAAAAAAAAAAAAAAAAAAAAAAAAAAAAAAAAAAAAAAAAAAAFAAAADwAAAAAAAAAAAAAAAAAAAkUAAAAAQAAABQAAAAUAAAAFAAAAAEAAAAAAAAAZAAAAGQAAAAAAAAAZAAAAGQAAAAVAAAAYAAAAAAAAAAAAAAADwAAACADAAAAAAAAAAAAAAEAAACgMgAAVgcAAKr4//8BAAAAf39/AAEAAABkAAAAAAAAABQAAABAHwAAAAAAACYAAAAAAAAAwOD//wAAAAAmAAAAZAAAABYAAABMAAAAAAAAAAAAAAAEAAAAAAAAAAEAAACAgIAKAAAAACgAAAAoAAAAZAAAAGQAAAAAAAAAzMzMAAAAAABQAAAAUAAAAGQAAABkAAAAAAAAABcAAAAUAAAAAAAAAAAAAAD/fwAA/38AAAAAAAAJAAAABAAAAAAAAAAMAAAAEAAAAAAAAAAAAAAAAAAAAAAAAAAeAAAAaAAAAAAAAAAAAAAAAAAAAAAAAAAAAAAAECcAABAnAAAAAAAAAAAAAAAAAAAAAAAAAAAAAAAAAAAAAAAAAAAAABQAAAAAAAAAwMD/AAAAAABkAAAAMgAAAAAAAABkAAAAAAAAAH9/fwAKAAAAHwAAAFQAAAAAAAAFAAAAAQAAAAAAAAAAAAAAAAAAAAAAAAAAAAAAAAAAAAAAAAAAAAAAAn9/fwAAAAADzMzMAMDA/wB/f38AAAAAAAAAAAAAAAAAAAAAAAAAAAAhAAAAGAAAABQAAAA4EwAAGycAAAglAABZKQAAEAAAACYAAAAIAAAAAAAAAAAAAAA="/>
+                <pr:smNativeData xmlns:pr="smNativeData" val="SMDATA_13_Zg2zYxMAAAAlAAAAZAAAAA8BAAAAkAAAAEgAAACQAAAASAAAAAAAAAABAAAAAAAAAAEAAABQAAAAAAAAAAAA4D8AAAAAAADgPwAAAAAAAOA/AAAAAAAA4D8AAAAAAADgPwAAAAAAAOA/AAAAAAAA4D8AAAAAAADgPwAAAAAAAOA/AAAAAAAA4D8CAAAAjAAAAAAAAAAAAAAAu+DjDP///wgAAAAAAAAAAAAAAAAAAAAAAAAAAAAAAAAAAAAAZAAAAAEAAABAAAAAAAAAAAAAAAAAAAAAAAAAAAAAAAAAAAAAAAAAAAAAAAAAAAAAAAAAAAAAAAAAAAAAAAAAAAAAAAAAAAAAAAAAAAAAAAAAAAAAAAAAAAAAAAAAAAAAFAAAADwAAAAAAAAAAAAAAAAAAAkUAAAAAQAAABQAAAAUAAAAFAAAAAEAAAAAAAAAZAAAAGQAAAAAAAAAZAAAAGQAAAAVAAAAYAAAAAAAAAAAAAAADwAAACADAAAAAAAAAAAAAAEAAACgMgAAVgcAAKr4//8BAAAAf39/AAEAAABkAAAAAAAAABQAAABAHwAAAAAAACYAAAAAAAAAwOD//wAAAAAmAAAAZAAAABYAAABMAAAAAAAAAAAAAAAEAAAAAAAAAAEAAACAgIAKAAAAACgAAAAoAAAAZAAAAGQAAAAAAAAAzMzMAAAAAABQAAAAUAAAAGQAAABkAAAAAAAAABcAAAAUAAAAAAAAAAAAAAD/fwAA/38AAAAAAAAJAAAABAAAAAAAAAAMAAAAEAAAAAAAAAAAAAAAAAAAAAAAAAAeAAAAaAAAAAAAAAAAAAAAAAAAAAAAAAAAAAAAECcAABAnAAAAAAAAAAAAAAAAAAAAAAAAAAAAAAAAAAAAAAAAAAAAABQAAAAAAAAAwMD/AAAAAABkAAAAMgAAAAAAAABkAAAAAAAAAH9/fwAKAAAAHwAAAFQAAAAAAAAFAAAAAQAAAAAAAAAAAAAAAAAAAAAAAAAAAAAAAAAAAAAAAAAAAAAAAn9/fwAAAAADzMzMAMDA/wB/f38AAAAAAAAAAAAAAAAAAAAAAAAAAAAhAAAAGAAAABQAAAA4EwAAGycAAAglAABZKQAAEAAAACYAAAAIAAAAAAAAAAAAAAA="/>
               </a:ext>
             </a:extLst>
           </p:cNvSpPr>
@@ -2142,7 +2143,7 @@
             <a:spLocks noGrp="1" noChangeArrowheads="1"/>
             <a:extLst>
               <a:ext uri="smNativeData">
-                <pr:smNativeData xmlns:pr="smNativeData" val="SMDATA_13_4y+yYxMAAAAlAAAAZAAAAA8BAAAAkAAAAEgAAACQAAAASAAAAAAAAAABAAAAAAAAAAEAAABQAAAAAAAAAAAA4D8AAAAAAADgPwAAAAAAAOA/AAAAAAAA4D8AAAAAAADgPwAAAAAAAOA/AAAAAAAA4D8AAAAAAADgPwAAAAAAAOA/AAAAAAAA4D8CAAAAjAAAAAAAAAAAAAAAu+DjDP///wgAAAAAAAAAAAAAAAAAAAAAAAAAAAAAAAAAAAAAZAAAAAEAAABAAAAAAAAAAAAAAAAAAAAAAAAAAAAAAAAAAAAAAAAAAAAAAAAAAAAAAAAAAAAAAAAAAAAAAAAAAAAAAAAAAAAAAAAAAAAAAAAAAAAAAAAAAAAAAAAAAAAAFAAAADwAAAAAAAAAAAAAAAAAAAkUAAAAAQAAABQAAAAUAAAAFAAAAAEAAAAAAAAAZAAAAGQAAAAAAAAAZAAAAGQAAAAVAAAAYAAAAAAAAAAAAAAADwAAACADAAAAAAAAAAAAAAEAAACgMgAAVgcAAKr4//8BAAAAf39/AAEAAABkAAAAAAAAABQAAABAHwAAAAAAACYAAAAAAAAAwOD//wAAAAAmAAAAZAAAABYAAABMAAAAAAAAAAAAAAAEAAAAAAAAAAEAAACAgIAKAAAAACgAAAAoAAAAZAAAAGQAAAAAAAAAzMzMAAAAAABQAAAAUAAAAGQAAABkAAAAAAAAABcAAAAUAAAAAAAAAAAAAAD/fwAA/38AAAAAAAAJAAAABAAAADIAAAAMAAAAEAAAAAAAAAAAAAAAAAAAAAAAAAAeAAAAaAAAAAAAAAAAAAAAAAAAAAAAAAAAAAAAECcAABAnAAAAAAAAAAAAAAAAAAAAAAAAAAAAAAAAAAAAAAAAAAAAABQAAAAAAAAAwMD/AAAAAABkAAAAMgAAAAAAAABkAAAAAAAAAH9/fwAKAAAAHwAAAFQAAAAAAAAFAAAAAQAAAAAAAAAAAAAAAAAAAAAAAAAAAAAAAAAAAAAAAAAAAAAAAn9/fwAAAAADzMzMAMDA/wB/f38AAAAAAAAAAAAAAAAAAAAAAAAAAAAhAAAAGAAAABQAAABQKAAAGycAAHA1AABZKQAAEAAAACYAAAAIAAAAAAAAAAAAAAA="/>
+                <pr:smNativeData xmlns:pr="smNativeData" val="SMDATA_13_Zg2zYxMAAAAlAAAAZAAAAA8BAAAAkAAAAEgAAACQAAAASAAAAAAAAAABAAAAAAAAAAEAAABQAAAAAAAAAAAA4D8AAAAAAADgPwAAAAAAAOA/AAAAAAAA4D8AAAAAAADgPwAAAAAAAOA/AAAAAAAA4D8AAAAAAADgPwAAAAAAAOA/AAAAAAAA4D8CAAAAjAAAAAAAAAAAAAAAu+DjDP///wgAAAAAAAAAAAAAAAAAAAAAAAAAAAAAAAAAAAAAZAAAAAEAAABAAAAAAAAAAAAAAAAAAAAAAAAAAAAAAAAAAAAAAAAAAAAAAAAAAAAAAAAAAAAAAAAAAAAAAAAAAAAAAAAAAAAAAAAAAAAAAAAAAAAAAAAAAAAAAAAAAAAAFAAAADwAAAAAAAAAAAAAAAAAAAkUAAAAAQAAABQAAAAUAAAAFAAAAAEAAAAAAAAAZAAAAGQAAAAAAAAAZAAAAGQAAAAVAAAAYAAAAAAAAAAAAAAADwAAACADAAAAAAAAAAAAAAEAAACgMgAAVgcAAKr4//8BAAAAf39/AAEAAABkAAAAAAAAABQAAABAHwAAAAAAACYAAAAAAAAAwOD//wAAAAAmAAAAZAAAABYAAABMAAAAAAAAAAAAAAAEAAAAAAAAAAEAAACAgIAKAAAAACgAAAAoAAAAZAAAAGQAAAAAAAAAzMzMAAAAAABQAAAAUAAAAGQAAABkAAAAAAAAABcAAAAUAAAAAAAAAAAAAAD/fwAA/38AAAAAAAAJAAAABAAAADIAAAAMAAAAEAAAAAAAAAAAAAAAAAAAAAAAAAAeAAAAaAAAAAAAAAAAAAAAAAAAAAAAAAAAAAAAECcAABAnAAAAAAAAAAAAAAAAAAAAAAAAAAAAAAAAAAAAAAAAAAAAABQAAAAAAAAAwMD/AAAAAABkAAAAMgAAAAAAAABkAAAAAAAAAH9/fwAKAAAAHwAAAFQAAAAAAAAFAAAAAQAAAAAAAAAAAAAAAAAAAAAAAAAAAAAAAAAAAAAAAAAAAAAAAn9/fwAAAAADzMzMAMDA/wB/f38AAAAAAAAAAAAAAAAAAAAAAAAAAAAhAAAAGAAAABQAAABQKAAAGycAAHA1AABZKQAAEAAAACYAAAAIAAAAAAAAAAAAAAA="/>
               </a:ext>
             </a:extLst>
           </p:cNvSpPr>
@@ -2156,7 +2157,7 @@
           <a:lstStyle/>
           <a:p>
             <a:pPr/>
-            <a:fld id="{0608D601-4FEB-5D20-A5B0-B97598FE53EC}" type="slidenum">
+            <a:fld id="{03A990B6-F8EE-FC66-A011-0E33DE5F565B}" type="slidenum">
               <a:t/>
             </a:fld>
           </a:p>
@@ -2194,7 +2195,7 @@
             <a:spLocks noGrp="1" noChangeArrowheads="1"/>
             <a:extLst>
               <a:ext uri="smNativeData">
-                <pr:smNativeData xmlns:pr="smNativeData" val="SMDATA_13_4y+yYxMAAAAlAAAAZAAAAA8BAAAAkAAAAEgAAACQAAAASAAAAAAAAAACAAAAAAAAAAEAAABQAAAAAAAAAAAA4D8AAAAAAADgPwAAAAAAAOA/AAAAAAAA4D8AAAAAAADgPwAAAAAAAOA/AAAAAAAA4D8AAAAAAADgPwAAAAAAAOA/AAAAAAAA4D8CAAAAjAAAAAAAAAAAAAAAu+DjDP///wgAAAAAAAAAAAAAAAAAAAAAAAAAAAAAAAAAAAAAZAAAAAEAAABAAAAAAAAAAAAAAAAAAAAAAAAAAAAAAAAAAAAAAAAAAAAAAAAAAAAAAAAAAAAAAAAAAAAAAAAAAAAAAAAAAAAAAAAAAAAAAAAAAAAAAAAAAAAAAAAAAAAAFAAAADwAAAAAAAAAAAAAAAAAAAkUAAAAAQAAABQAAAAUAAAAFAAAAAEAAAAAAAAAZAAAAGQAAAAAAAAAZAAAAGQAAAAVAAAAYAAAAAAAAAAAAAAADwAAACADAAAAAAAAAAAAAAEAAACgMgAAVgcAAKr4//8BAAAAf39/AAEAAABkAAAAAAAAABQAAABAHwAAAAAAACYAAAAAAAAAwOD//wAAAAAmAAAAZAAAABYAAABMAAAAAAAAAAAAAAAEAAAAAAAAAAEAAACAgIAKAAAAACgAAAAoAAAAZAAAAGQAAAAAAAAAzMzMAAAAAABQAAAAUAAAAGQAAABkAAAAAAAAABcAAAAUAAAAAAAAAAAAAAD/fwAA/38AAAAAAAAJAAAABAAAAAAAAAAMAAAAEAAAAAAAAAAAAAAAAAAAAAAAAAAeAAAAaAAAAAAAAAAAAAAAAAAAAAAAAAAAAAAAECcAABAnAAAAAAAAAAAAAAAAAAAAAAAAAAAAAAAAAAAAAAAAAAAAABQAAAAAAAAAwMD/AAAAAABkAAAAMgAAAAAAAABkAAAAAAAAAH9/fwAKAAAAHwAAAFQAAAAAAAAFAAAAAQAAAAAAAAAAAAAAAAAAAAAAAAAAAAAAAAAAAAAAAAAAAAAAAn9/fwAAAAADzMzMAMDA/wB/f38AAAAAAAAAAAAAAAAAAAAAAAAAAAAhAAAAGAAAABQAAADQAgAArgEAAFIVAADUCAAAEAAAACYAAAAIAAAAgYAAAAAAAAA="/>
+                <pr:smNativeData xmlns:pr="smNativeData" val="SMDATA_13_Zg2zYxMAAAAlAAAAZAAAAA8BAAAAkAAAAEgAAACQAAAASAAAAAAAAAACAAAAAAAAAAEAAABQAAAAAAAAAAAA4D8AAAAAAADgPwAAAAAAAOA/AAAAAAAA4D8AAAAAAADgPwAAAAAAAOA/AAAAAAAA4D8AAAAAAADgPwAAAAAAAOA/AAAAAAAA4D8CAAAAjAAAAAAAAAAAAAAAu+DjDP///wgAAAAAAAAAAAAAAAAAAAAAAAAAAAAAAAAAAAAAZAAAAAEAAABAAAAAAAAAAAAAAAAAAAAAAAAAAAAAAAAAAAAAAAAAAAAAAAAAAAAAAAAAAAAAAAAAAAAAAAAAAAAAAAAAAAAAAAAAAAAAAAAAAAAAAAAAAAAAAAAAAAAAFAAAADwAAAAAAAAAAAAAAAAAAAkUAAAAAQAAABQAAAAUAAAAFAAAAAEAAAAAAAAAZAAAAGQAAAAAAAAAZAAAAGQAAAAVAAAAYAAAAAAAAAAAAAAADwAAACADAAAAAAAAAAAAAAEAAACgMgAAVgcAAKr4//8BAAAAf39/AAEAAABkAAAAAAAAABQAAABAHwAAAAAAACYAAAAAAAAAwOD//wAAAAAmAAAAZAAAABYAAABMAAAAAAAAAAAAAAAEAAAAAAAAAAEAAACAgIAKAAAAACgAAAAoAAAAZAAAAGQAAAAAAAAAzMzMAAAAAABQAAAAUAAAAGQAAABkAAAAAAAAABcAAAAUAAAAAAAAAAAAAAD/fwAA/38AAAAAAAAJAAAABAAAAAAAAAAMAAAAEAAAAAAAAAAAAAAAAAAAAAAAAAAeAAAAaAAAAAAAAAAAAAAAAAAAAAAAAAAAAAAAECcAABAnAAAAAAAAAAAAAAAAAAAAAAAAAAAAAAAAAAAAAAAAAAAAABQAAAAAAAAAwMD/AAAAAABkAAAAMgAAAAAAAABkAAAAAAAAAH9/fwAKAAAAHwAAAFQAAAAAAAAFAAAAAQAAAAAAAAAAAAAAAAAAAAAAAAAAAAAAAAAAAAAAAAAAAAAAAn9/fwAAAAADzMzMAMDA/wB/f38AAAAAAAAAAAAAAAAAAAAAAAAAAAAhAAAAGAAAABQAAADQAgAArgEAAFIVAADUCAAAEAAAACYAAAAIAAAAgYAAAAAAAAA="/>
               </a:ext>
             </a:extLst>
           </p:cNvSpPr>
@@ -2234,7 +2235,7 @@
             <a:spLocks noGrp="1" noChangeArrowheads="1"/>
             <a:extLst>
               <a:ext uri="smNativeData">
-                <pr:smNativeData xmlns:pr="smNativeData" val="SMDATA_13_4y+yYxMAAAAlAAAAZAAAAA8BAAAAkAAAAEgAAACQAAAASAAAAAAAAAAAAAAAAAAAAAEAAABQAAAAAAAAAAAA4D8AAAAAAADgPwAAAAAAAOA/AAAAAAAA4D8AAAAAAADgPwAAAAAAAOA/AAAAAAAA4D8AAAAAAADgPwAAAAAAAOA/AAAAAAAA4D8CAAAAjAAAAAAAAAAAAAAAu+DjDP///wgAAAAAAAAAAAAAAAAAAAAAAAAAAAAAAAAAAAAAZAAAAAEAAABAAAAAAAAAAAAAAAAAAAAAAAAAAAAAAAAAAAAAAAAAAAAAAAAAAAAAAAAAAAAAAAAAAAAAAAAAAAAAAAAAAAAAAAAAAAAAAAAAAAAAAAAAAAAAAAAAAAAAFAAAADwAAAAAAAAAAAAAAAAAAAkUAAAAAQAAABQAAAAUAAAAFAAAAAEAAAAAAAAAZAAAAGQAAAAAAAAAZAAAAGQAAAAVAAAAYAAAAAAAAAAAAAAADwAAACADAAAAAAAAAAAAAAEAAACgMgAAVgcAAKr4//8BAAAAf39/AAEAAABkAAAAAAAAABQAAABAHwAAAAAAACYAAAAAAAAAwOD//wAAAAAmAAAAZAAAABYAAABMAAAAAAAAAAAAAAAEAAAAAAAAAAEAAACAgIAKAAAAACgAAAAoAAAAZAAAAGQAAAAAAAAAzMzMAAAAAABQAAAAUAAAAGQAAABkAAAAAAAAABcAAAAUAAAAAAAAAAAAAAD/fwAA/38AAAAAAAAJAAAABAAAADIAATMMAAAAEAAAAAAAAAAAAAAAAAAAAAAAAAAeAAAAaAAAAAAAAAAAAAAAAAAAAAAAAAAAAAAAECcAABAnAAAAAAAAAAAAAAAAAAAAAAAAAAAAAAAAAAAAAAAAAAAAABQAAAAAAAAAwMD/AAAAAABkAAAAMgAAAAAAAABkAAAAAAAAAH9/fwAKAAAAHwAAAFQAAAAAAAAFAAAAAQAAAAAAAAAAAAAAAAAAAAAAAAAAAAAAAAAAAAAAAAAAAAAAAn9/fwAAAAADzMzMAMDA/wB/f38AAAAAAAAAAAAAAAAAAAAAAAAAAAAhAAAAGAAAABQAAAD+FQAArgEAAHA1AACwJQAAEAAAACYAAAAIAAAAAYAAAAAAAAA="/>
+                <pr:smNativeData xmlns:pr="smNativeData" val="SMDATA_13_Zg2zYxMAAAAlAAAAZAAAAA8BAAAAkAAAAEgAAACQAAAASAAAAAAAAAAAAAAAAAAAAAEAAABQAAAAAAAAAAAA4D8AAAAAAADgPwAAAAAAAOA/AAAAAAAA4D8AAAAAAADgPwAAAAAAAOA/AAAAAAAA4D8AAAAAAADgPwAAAAAAAOA/AAAAAAAA4D8CAAAAjAAAAAAAAAAAAAAAu+DjDP///wgAAAAAAAAAAAAAAAAAAAAAAAAAAAAAAAAAAAAAZAAAAAEAAABAAAAAAAAAAAAAAAAAAAAAAAAAAAAAAAAAAAAAAAAAAAAAAAAAAAAAAAAAAAAAAAAAAAAAAAAAAAAAAAAAAAAAAAAAAAAAAAAAAAAAAAAAAAAAAAAAAAAAFAAAADwAAAAAAAAAAAAAAAAAAAkUAAAAAQAAABQAAAAUAAAAFAAAAAEAAAAAAAAAZAAAAGQAAAAAAAAAZAAAAGQAAAAVAAAAYAAAAAAAAAAAAAAADwAAACADAAAAAAAAAAAAAAEAAACgMgAAVgcAAKr4//8BAAAAf39/AAEAAABkAAAAAAAAABQAAABAHwAAAAAAACYAAAAAAAAAwOD//wAAAAAmAAAAZAAAABYAAABMAAAAAAAAAAAAAAAEAAAAAAAAAAEAAACAgIAKAAAAACgAAAAoAAAAZAAAAGQAAAAAAAAAzMzMAAAAAABQAAAAUAAAAGQAAABkAAAAAAAAABcAAAAUAAAAAAAAAAAAAAD/fwAA/38AAAAAAAAJAAAABAAAADIAATMMAAAAEAAAAAAAAAAAAAAAAAAAAAAAAAAeAAAAaAAAAAAAAAAAAAAAAAAAAAAAAAAAAAAAECcAABAnAAAAAAAAAAAAAAAAAAAAAAAAAAAAAAAAAAAAAAAAAAAAABQAAAAAAAAAwMD/AAAAAABkAAAAMgAAAAAAAABkAAAAAAAAAH9/fwAKAAAAHwAAAFQAAAAAAAAFAAAAAQAAAAAAAAAAAAAAAAAAAAAAAAAAAAAAAAAAAAAAAAAAAAAAAn9/fwAAAAADzMzMAMDA/wB/f38AAAAAAAAAAAAAAAAAAAAAAAAAAAAhAAAAGAAAABQAAAD+FQAArgEAAHA1AACwJQAAEAAAACYAAAAIAAAAAYAAAAAAAAA="/>
               </a:ext>
             </a:extLst>
           </p:cNvSpPr>
@@ -2318,7 +2319,7 @@
             <a:spLocks noGrp="1" noChangeArrowheads="1"/>
             <a:extLst>
               <a:ext uri="smNativeData">
-                <pr:smNativeData xmlns:pr="smNativeData" val="SMDATA_13_4y+yYxMAAAAlAAAAZAAAAA8BAAAAkAAAAEgAAACQAAAASAAAAAAAAAAAAAAAAAAAAAEAAABQAAAAAAAAAAAA4D8AAAAAAADgPwAAAAAAAOA/AAAAAAAA4D8AAAAAAADgPwAAAAAAAOA/AAAAAAAA4D8AAAAAAADgPwAAAAAAAOA/AAAAAAAA4D8CAAAAjAAAAAAAAAAAAAAAu+DjDP///wgAAAAAAAAAAAAAAAAAAAAAAAAAAAAAAAAAAAAAZAAAAAEAAABAAAAAAAAAAAAAAAAAAAAAAAAAAAAAAAAAAAAAAAAAAAAAAAAAAAAAAAAAAAAAAAAAAAAAAAAAAAAAAAAAAAAAAAAAAAAAAAAAAAAAAAAAAAAAAAAAAAAAFAAAADwAAAAAAAAAAAAAAAAAAAkUAAAAAQAAABQAAAAUAAAAFAAAAAEAAAAAAAAAZAAAAGQAAAAAAAAAZAAAAGQAAAAVAAAAYAAAAAAAAAAAAAAADwAAACADAAAAAAAAAAAAAAEAAACgMgAAVgcAAKr4//8BAAAAf39/AAEAAABkAAAAAAAAABQAAABAHwAAAAAAACYAAAAAAAAAwOD//wAAAAAmAAAAZAAAABYAAABMAAAAAAAAAAAAAAAEAAAAAAAAAAEAAACAgIAKAAAAACgAAAAoAAAAZAAAAGQAAAAAAAAAzMzMAAAAAABQAAAAUAAAAGQAAABkAAAAAAAAABcAAAAUAAAAAAAAAAAAAAD/fwAA/38AAAAAAAAJAAAABAAAAGQAAAAMAAAAEAAAAAAAAAAAAAAAAAAAAAAAAAAeAAAAaAAAAAAAAAAAAAAAAAAAAAAAAAAAAAAAECcAABAnAAAAAAAAAAAAAAAAAAAAAAAAAAAAAAAAAAAAAAAAAAAAABQAAAAAAAAAwMD/AAAAAABkAAAAMgAAAAAAAABkAAAAAAAAAH9/fwAKAAAAHwAAAFQAAAAAAAAFAAAAAQAAAAAAAAAAAAAAAAAAAAAAAAAAAAAAAAAAAAAAAAAAAAAAAn9/fwAAAAADzMzMAMDA/wB/f38AAAAAAAAAAAAAAAAAAAAAAAAAAAAhAAAAGAAAABQAAADQAgAA1AgAAFIVAACwJQAAEAAAACYAAAAIAAAAAYAAAAAAAAA="/>
+                <pr:smNativeData xmlns:pr="smNativeData" val="SMDATA_13_Zg2zYxMAAAAlAAAAZAAAAA8BAAAAkAAAAEgAAACQAAAASAAAAAAAAAAAAAAAAAAAAAEAAABQAAAAAAAAAAAA4D8AAAAAAADgPwAAAAAAAOA/AAAAAAAA4D8AAAAAAADgPwAAAAAAAOA/AAAAAAAA4D8AAAAAAADgPwAAAAAAAOA/AAAAAAAA4D8CAAAAjAAAAAAAAAAAAAAAu+DjDP///wgAAAAAAAAAAAAAAAAAAAAAAAAAAAAAAAAAAAAAZAAAAAEAAABAAAAAAAAAAAAAAAAAAAAAAAAAAAAAAAAAAAAAAAAAAAAAAAAAAAAAAAAAAAAAAAAAAAAAAAAAAAAAAAAAAAAAAAAAAAAAAAAAAAAAAAAAAAAAAAAAAAAAFAAAADwAAAAAAAAAAAAAAAAAAAkUAAAAAQAAABQAAAAUAAAAFAAAAAEAAAAAAAAAZAAAAGQAAAAAAAAAZAAAAGQAAAAVAAAAYAAAAAAAAAAAAAAADwAAACADAAAAAAAAAAAAAAEAAACgMgAAVgcAAKr4//8BAAAAf39/AAEAAABkAAAAAAAAABQAAABAHwAAAAAAACYAAAAAAAAAwOD//wAAAAAmAAAAZAAAABYAAABMAAAAAAAAAAAAAAAEAAAAAAAAAAEAAACAgIAKAAAAACgAAAAoAAAAZAAAAGQAAAAAAAAAzMzMAAAAAABQAAAAUAAAAGQAAABkAAAAAAAAABcAAAAUAAAAAAAAAAAAAAD/fwAA/38AAAAAAAAJAAAABAAAAGQAAAAMAAAAEAAAAAAAAAAAAAAAAAAAAAAAAAAeAAAAaAAAAAAAAAAAAAAAAAAAAAAAAAAAAAAAECcAABAnAAAAAAAAAAAAAAAAAAAAAAAAAAAAAAAAAAAAAAAAAAAAABQAAAAAAAAAwMD/AAAAAABkAAAAMgAAAAAAAABkAAAAAAAAAH9/fwAKAAAAHwAAAFQAAAAAAAAFAAAAAQAAAAAAAAAAAAAAAAAAAAAAAAAAAAAAAAAAAAAAAAAAAAAAAn9/fwAAAAADzMzMAMDA/wB/f38AAAAAAAAAAAAAAAAAAAAAAAAAAAAhAAAAGAAAABQAAADQAgAA1AgAAFIVAACwJQAAEAAAACYAAAAIAAAAAYAAAAAAAAA="/>
               </a:ext>
             </a:extLst>
           </p:cNvSpPr>
@@ -2387,7 +2388,7 @@
             <a:spLocks noGrp="1" noChangeArrowheads="1"/>
             <a:extLst>
               <a:ext uri="smNativeData">
-                <pr:smNativeData xmlns:pr="smNativeData" val="SMDATA_13_4y+yYxMAAAAlAAAAZAAAAA8BAAAAkAAAAEgAAACQAAAASAAAAAAAAAABAAAAAAAAAAEAAABQAAAAAAAAAAAA4D8AAAAAAADgPwAAAAAAAOA/AAAAAAAA4D8AAAAAAADgPwAAAAAAAOA/AAAAAAAA4D8AAAAAAADgPwAAAAAAAOA/AAAAAAAA4D8CAAAAjAAAAAAAAAAAAAAAu+DjDP///wgAAAAAAAAAAAAAAAAAAAAAAAAAAAAAAAAAAAAAZAAAAAEAAABAAAAAAAAAAAAAAAAAAAAAAAAAAAAAAAAAAAAAAAAAAAAAAAAAAAAAAAAAAAAAAAAAAAAAAAAAAAAAAAAAAAAAAAAAAAAAAAAAAAAAAAAAAAAAAAAAAAAAFAAAADwAAAAAAAAAAAAAAAAAAAkUAAAAAQAAABQAAAAUAAAAFAAAAAEAAAAAAAAAZAAAAGQAAAAAAAAAZAAAAGQAAAAVAAAAYAAAAAAAAAAAAAAADwAAACADAAAAAAAAAAAAAAEAAACgMgAAVgcAAKr4//8BAAAAf39/AAEAAABkAAAAAAAAABQAAABAHwAAAAAAACYAAAAAAAAAwOD//wAAAAAmAAAAZAAAABYAAABMAAAAAAAAAAAAAAAEAAAAAAAAAAEAAACAgIAKAAAAACgAAAAoAAAAZAAAAGQAAAAAAAAAzMzMAAAAAABQAAAAUAAAAGQAAABkAAAAAAAAABcAAAAUAAAAAAAAAAAAAAD/fwAA/38AAAAAAAAJAAAABAAAAAAAAAAMAAAAEAAAAAAAAAAAAAAAAAAAAAAAAAAeAAAAaAAAAAAAAAAAAAAAAAAAAAAAAAAAAAAAECcAABAnAAAAAAAAAAAAAAAAAAAAAAAAAAAAAAAAAAAAAAAAAAAAABQAAAAAAAAAwMD/AAAAAABkAAAAMgAAAAAAAABkAAAAAAAAAH9/fwAKAAAAHwAAAFQAAAAAAAAFAAAAAQAAAAAAAAAAAAAAAAAAAAAAAAAAAAAAAAAAAAAAAAAAAAAAAn9/fwAAAAADzMzMAMDA/wB/f38AAAAAAAAAAAAAAAAAAAAAAAAAAAAhAAAAGAAAABQAAADQAgAAGycAAPAPAABZKQAAEAAAACYAAAAIAAAAAAAAAAAAAAA="/>
+                <pr:smNativeData xmlns:pr="smNativeData" val="SMDATA_13_Zg2zYxMAAAAlAAAAZAAAAA8BAAAAkAAAAEgAAACQAAAASAAAAAAAAAABAAAAAAAAAAEAAABQAAAAAAAAAAAA4D8AAAAAAADgPwAAAAAAAOA/AAAAAAAA4D8AAAAAAADgPwAAAAAAAOA/AAAAAAAA4D8AAAAAAADgPwAAAAAAAOA/AAAAAAAA4D8CAAAAjAAAAAAAAAAAAAAAu+DjDP///wgAAAAAAAAAAAAAAAAAAAAAAAAAAAAAAAAAAAAAZAAAAAEAAABAAAAAAAAAAAAAAAAAAAAAAAAAAAAAAAAAAAAAAAAAAAAAAAAAAAAAAAAAAAAAAAAAAAAAAAAAAAAAAAAAAAAAAAAAAAAAAAAAAAAAAAAAAAAAAAAAAAAAFAAAADwAAAAAAAAAAAAAAAAAAAkUAAAAAQAAABQAAAAUAAAAFAAAAAEAAAAAAAAAZAAAAGQAAAAAAAAAZAAAAGQAAAAVAAAAYAAAAAAAAAAAAAAADwAAACADAAAAAAAAAAAAAAEAAACgMgAAVgcAAKr4//8BAAAAf39/AAEAAABkAAAAAAAAABQAAABAHwAAAAAAACYAAAAAAAAAwOD//wAAAAAmAAAAZAAAABYAAABMAAAAAAAAAAAAAAAEAAAAAAAAAAEAAACAgIAKAAAAACgAAAAoAAAAZAAAAGQAAAAAAAAAzMzMAAAAAABQAAAAUAAAAGQAAABkAAAAAAAAABcAAAAUAAAAAAAAAAAAAAD/fwAA/38AAAAAAAAJAAAABAAAAAAAAAAMAAAAEAAAAAAAAAAAAAAAAAAAAAAAAAAeAAAAaAAAAAAAAAAAAAAAAAAAAAAAAAAAAAAAECcAABAnAAAAAAAAAAAAAAAAAAAAAAAAAAAAAAAAAAAAAAAAAAAAABQAAAAAAAAAwMD/AAAAAABkAAAAMgAAAAAAAABkAAAAAAAAAH9/fwAKAAAAHwAAAFQAAAAAAAAFAAAAAQAAAAAAAAAAAAAAAAAAAAAAAAAAAAAAAAAAAAAAAAAAAAAAAn9/fwAAAAADzMzMAMDA/wB/f38AAAAAAAAAAAAAAAAAAAAAAAAAAAAhAAAAGAAAABQAAADQAgAAGycAAPAPAABZKQAAEAAAACYAAAAIAAAAAAAAAAAAAAA="/>
               </a:ext>
             </a:extLst>
           </p:cNvSpPr>
@@ -2401,7 +2402,7 @@
           <a:lstStyle/>
           <a:p>
             <a:pPr/>
-            <a:fld id="{0608864C-02EB-5D70-A5B0-F425C8FE53A1}" type="datetime1">
+            <a:fld id="{03A99CA7-E9EE-FC6A-A011-1F3FD25F564A}" type="datetime1">
               <a:t/>
             </a:fld>
           </a:p>
@@ -2414,7 +2415,7 @@
             <a:spLocks noGrp="1" noChangeArrowheads="1"/>
             <a:extLst>
               <a:ext uri="smNativeData">
-                <pr:smNativeData xmlns:pr="smNativeData" val="SMDATA_13_4y+yYxMAAAAlAAAAZAAAAA8BAAAAkAAAAEgAAACQAAAASAAAAAAAAAABAAAAAAAAAAEAAABQAAAAAAAAAAAA4D8AAAAAAADgPwAAAAAAAOA/AAAAAAAA4D8AAAAAAADgPwAAAAAAAOA/AAAAAAAA4D8AAAAAAADgPwAAAAAAAOA/AAAAAAAA4D8CAAAAjAAAAAAAAAAAAAAAu+DjDP///wgAAAAAAAAAAAAAAAAAAAAAAAAAAAAAAAAAAAAAZAAAAAEAAABAAAAAAAAAAAAAAAAAAAAAAAAAAAAAAAAAAAAAAAAAAAAAAAAAAAAAAAAAAAAAAAAAAAAAAAAAAAAAAAAAAAAAAAAAAAAAAAAAAAAAAAAAAAAAAAAAAAAAFAAAADwAAAAAAAAAAAAAAAAAAAkUAAAAAQAAABQAAAAUAAAAFAAAAAEAAAAAAAAAZAAAAGQAAAAAAAAAZAAAAGQAAAAVAAAAYAAAAAAAAAAAAAAADwAAACADAAAAAAAAAAAAAAEAAACgMgAAVgcAAKr4//8BAAAAf39/AAEAAABkAAAAAAAAABQAAABAHwAAAAAAACYAAAAAAAAAwOD//wAAAAAmAAAAZAAAABYAAABMAAAAAAAAAAAAAAAEAAAAAAAAAAEAAACAgIAKAAAAACgAAAAoAAAAZAAAAGQAAAAAAAAAzMzMAAAAAABQAAAAUAAAAGQAAABkAAAAAAAAABcAAAAUAAAAAAAAAAAAAAD/fwAA/38AAAAAAAAJAAAABAAAAAAAAAAMAAAAEAAAAAAAAAAAAAAAAAAAAAAAAAAeAAAAaAAAAAAAAAAAAAAAAAAAAAAAAAAAAAAAECcAABAnAAAAAAAAAAAAAAAAAAAAAAAAAAAAAAAAAAAAAAAAAAAAABQAAAAAAAAAwMD/AAAAAABkAAAAMgAAAAAAAABkAAAAAAAAAH9/fwAKAAAAHwAAAFQAAAAAAAAFAAAAAQAAAAAAAAAAAAAAAAAAAAAAAAAAAAAAAAAAAAAAAAAAAAAAAn9/fwAAAAADzMzMAMDA/wB/f38AAAAAAAAAAAAAAAAAAAAAAAAAAAAhAAAAGAAAABQAAAA4EwAAGycAAAglAABZKQAAEAAAACYAAAAIAAAAAAAAAAAAAAA="/>
+                <pr:smNativeData xmlns:pr="smNativeData" val="SMDATA_13_Zg2zYxMAAAAlAAAAZAAAAA8BAAAAkAAAAEgAAACQAAAASAAAAAAAAAABAAAAAAAAAAEAAABQAAAAAAAAAAAA4D8AAAAAAADgPwAAAAAAAOA/AAAAAAAA4D8AAAAAAADgPwAAAAAAAOA/AAAAAAAA4D8AAAAAAADgPwAAAAAAAOA/AAAAAAAA4D8CAAAAjAAAAAAAAAAAAAAAu+DjDP///wgAAAAAAAAAAAAAAAAAAAAAAAAAAAAAAAAAAAAAZAAAAAEAAABAAAAAAAAAAAAAAAAAAAAAAAAAAAAAAAAAAAAAAAAAAAAAAAAAAAAAAAAAAAAAAAAAAAAAAAAAAAAAAAAAAAAAAAAAAAAAAAAAAAAAAAAAAAAAAAAAAAAAFAAAADwAAAAAAAAAAAAAAAAAAAkUAAAAAQAAABQAAAAUAAAAFAAAAAEAAAAAAAAAZAAAAGQAAAAAAAAAZAAAAGQAAAAVAAAAYAAAAAAAAAAAAAAADwAAACADAAAAAAAAAAAAAAEAAACgMgAAVgcAAKr4//8BAAAAf39/AAEAAABkAAAAAAAAABQAAABAHwAAAAAAACYAAAAAAAAAwOD//wAAAAAmAAAAZAAAABYAAABMAAAAAAAAAAAAAAAEAAAAAAAAAAEAAACAgIAKAAAAACgAAAAoAAAAZAAAAGQAAAAAAAAAzMzMAAAAAABQAAAAUAAAAGQAAABkAAAAAAAAABcAAAAUAAAAAAAAAAAAAAD/fwAA/38AAAAAAAAJAAAABAAAAAAAAAAMAAAAEAAAAAAAAAAAAAAAAAAAAAAAAAAeAAAAaAAAAAAAAAAAAAAAAAAAAAAAAAAAAAAAECcAABAnAAAAAAAAAAAAAAAAAAAAAAAAAAAAAAAAAAAAAAAAAAAAABQAAAAAAAAAwMD/AAAAAABkAAAAMgAAAAAAAABkAAAAAAAAAH9/fwAKAAAAHwAAAFQAAAAAAAAFAAAAAQAAAAAAAAAAAAAAAAAAAAAAAAAAAAAAAAAAAAAAAAAAAAAAAn9/fwAAAAADzMzMAMDA/wB/f38AAAAAAAAAAAAAAAAAAAAAAAAAAAAhAAAAGAAAABQAAAA4EwAAGycAAAglAABZKQAAEAAAACYAAAAIAAAAAAAAAAAAAAA="/>
               </a:ext>
             </a:extLst>
           </p:cNvSpPr>
@@ -2438,7 +2439,7 @@
             <a:spLocks noGrp="1" noChangeArrowheads="1"/>
             <a:extLst>
               <a:ext uri="smNativeData">
-                <pr:smNativeData xmlns:pr="smNativeData" val="SMDATA_13_4y+yYxMAAAAlAAAAZAAAAA8BAAAAkAAAAEgAAACQAAAASAAAAAAAAAABAAAAAAAAAAEAAABQAAAAAAAAAAAA4D8AAAAAAADgPwAAAAAAAOA/AAAAAAAA4D8AAAAAAADgPwAAAAAAAOA/AAAAAAAA4D8AAAAAAADgPwAAAAAAAOA/AAAAAAAA4D8CAAAAjAAAAAAAAAAAAAAAu+DjDP///wgAAAAAAAAAAAAAAAAAAAAAAAAAAAAAAAAAAAAAZAAAAAEAAABAAAAAAAAAAAAAAAAAAAAAAAAAAAAAAAAAAAAAAAAAAAAAAAAAAAAAAAAAAAAAAAAAAAAAAAAAAAAAAAAAAAAAAAAAAAAAAAAAAAAAAAAAAAAAAAAAAAAAFAAAADwAAAAAAAAAAAAAAAAAAAkUAAAAAQAAABQAAAAUAAAAFAAAAAEAAAAAAAAAZAAAAGQAAAAAAAAAZAAAAGQAAAAVAAAAYAAAAAAAAAAAAAAADwAAACADAAAAAAAAAAAAAAEAAACgMgAAVgcAAKr4//8BAAAAf39/AAEAAABkAAAAAAAAABQAAABAHwAAAAAAACYAAAAAAAAAwOD//wAAAAAmAAAAZAAAABYAAABMAAAAAAAAAAAAAAAEAAAAAAAAAAEAAACAgIAKAAAAACgAAAAoAAAAZAAAAGQAAAAAAAAAzMzMAAAAAABQAAAAUAAAAGQAAABkAAAAAAAAABcAAAAUAAAAAAAAAAAAAAD/fwAA/38AAAAAAAAJAAAABAAAAAAAAAAMAAAAEAAAAAAAAAAAAAAAAAAAAAAAAAAeAAAAaAAAAAAAAAAAAAAAAAAAAAAAAAAAAAAAECcAABAnAAAAAAAAAAAAAAAAAAAAAAAAAAAAAAAAAAAAAAAAAAAAABQAAAAAAAAAwMD/AAAAAABkAAAAMgAAAAAAAABkAAAAAAAAAH9/fwAKAAAAHwAAAFQAAAAAAAAFAAAAAQAAAAAAAAAAAAAAAAAAAAAAAAAAAAAAAAAAAAAAAAAAAAAAAn9/fwAAAAADzMzMAMDA/wB/f38AAAAAAAAAAAAAAAAAAAAAAAAAAAAhAAAAGAAAABQAAABQKAAAGycAAHA1AABZKQAAEAAAACYAAAAIAAAAAAAAAAAAAAA="/>
+                <pr:smNativeData xmlns:pr="smNativeData" val="SMDATA_13_Zg2zYxMAAAAlAAAAZAAAAA8BAAAAkAAAAEgAAACQAAAASAAAAAAAAAABAAAAAAAAAAEAAABQAAAAAAAAAAAA4D8AAAAAAADgPwAAAAAAAOA/AAAAAAAA4D8AAAAAAADgPwAAAAAAAOA/AAAAAAAA4D8AAAAAAADgPwAAAAAAAOA/AAAAAAAA4D8CAAAAjAAAAAAAAAAAAAAAu+DjDP///wgAAAAAAAAAAAAAAAAAAAAAAAAAAAAAAAAAAAAAZAAAAAEAAABAAAAAAAAAAAAAAAAAAAAAAAAAAAAAAAAAAAAAAAAAAAAAAAAAAAAAAAAAAAAAAAAAAAAAAAAAAAAAAAAAAAAAAAAAAAAAAAAAAAAAAAAAAAAAAAAAAAAAFAAAADwAAAAAAAAAAAAAAAAAAAkUAAAAAQAAABQAAAAUAAAAFAAAAAEAAAAAAAAAZAAAAGQAAAAAAAAAZAAAAGQAAAAVAAAAYAAAAAAAAAAAAAAADwAAACADAAAAAAAAAAAAAAEAAACgMgAAVgcAAKr4//8BAAAAf39/AAEAAABkAAAAAAAAABQAAABAHwAAAAAAACYAAAAAAAAAwOD//wAAAAAmAAAAZAAAABYAAABMAAAAAAAAAAAAAAAEAAAAAAAAAAEAAACAgIAKAAAAACgAAAAoAAAAZAAAAGQAAAAAAAAAzMzMAAAAAABQAAAAUAAAAGQAAABkAAAAAAAAABcAAAAUAAAAAAAAAAAAAAD/fwAA/38AAAAAAAAJAAAABAAAAAAAAAAMAAAAEAAAAAAAAAAAAAAAAAAAAAAAAAAeAAAAaAAAAAAAAAAAAAAAAAAAAAAAAAAAAAAAECcAABAnAAAAAAAAAAAAAAAAAAAAAAAAAAAAAAAAAAAAAAAAAAAAABQAAAAAAAAAwMD/AAAAAABkAAAAMgAAAAAAAABkAAAAAAAAAH9/fwAKAAAAHwAAAFQAAAAAAAAFAAAAAQAAAAAAAAAAAAAAAAAAAAAAAAAAAAAAAAAAAAAAAAAAAAAAAn9/fwAAAAADzMzMAMDA/wB/f38AAAAAAAAAAAAAAAAAAAAAAAAAAAAhAAAAGAAAABQAAABQKAAAGycAAHA1AABZKQAAEAAAACYAAAAIAAAAAAAAAAAAAAA="/>
               </a:ext>
             </a:extLst>
           </p:cNvSpPr>
@@ -2452,7 +2453,7 @@
           <a:lstStyle/>
           <a:p>
             <a:pPr/>
-            <a:fld id="{0608AC76-38EB-5D5A-A5B0-CE0FE2FE539B}" type="slidenum">
+            <a:fld id="{03A9AEB6-F8EE-FC58-A011-0E0DE05F565B}" type="slidenum">
               <a:t/>
             </a:fld>
           </a:p>
@@ -2490,7 +2491,7 @@
             <a:spLocks noGrp="1" noChangeArrowheads="1"/>
             <a:extLst>
               <a:ext uri="smNativeData">
-                <pr:smNativeData xmlns:pr="smNativeData" val="SMDATA_13_4y+yYxMAAAAlAAAAZAAAAA8BAAAAkAAAAEgAAACQAAAASAAAAAAAAAACAAAAAAAAAAEAAABQAAAAAAAAAAAA4D8AAAAAAADgPwAAAAAAAOA/AAAAAAAA4D8AAAAAAADgPwAAAAAAAOA/AAAAAAAA4D8AAAAAAADgPwAAAAAAAOA/AAAAAAAA4D8CAAAAjAAAAAAAAAAAAAAAu+DjDP///wgAAAAAAAAAAAAAAAAAAAAAAAAAAAAAAAAAAAAAZAAAAAEAAABAAAAAAAAAAAAAAAAAAAAAAAAAAAAAAAAAAAAAAAAAAAAAAAAAAAAAAAAAAAAAAAAAAAAAAAAAAAAAAAAAAAAAAAAAAAAAAAAAAAAAAAAAAAAAAAAAAAAAFAAAADwAAAAAAAAAAAAAAAAAAAkUAAAAAQAAABQAAAAUAAAAFAAAAAEAAAAAAAAAZAAAAGQAAAAAAAAAZAAAAGQAAAAVAAAAYAAAAAAAAAAAAAAADwAAACADAAAAAAAAAAAAAAEAAACgMgAAVgcAAKr4//8BAAAAf39/AAEAAABkAAAAAAAAABQAAABAHwAAAAAAACYAAAAAAAAAwOD//wAAAAAmAAAAZAAAABYAAABMAAAAAAAAAAAAAAAEAAAAAAAAAAEAAACAgIAKAAAAACgAAAAoAAAAZAAAAGQAAAAAAAAAzMzMAAAAAABQAAAAUAAAAGQAAABkAAAAAAAAABcAAAAUAAAAAAAAAAAAAAD/fwAA/38AAAAAAAAJAAAABAAAAH9/fwAMAAAAEAAAAAAAAAAAAAAAAAAAAAAAAAAeAAAAaAAAAAAAAAAAAAAAAAAAAAAAAAAAAAAAECcAABAnAAAAAAAAAAAAAAAAAAAAAAAAAAAAAAAAAAAAAAAAAAAAABQAAAAAAAAAwMD/AAAAAABkAAAAMgAAAAAAAABkAAAAAAAAAH9/fwAKAAAAHwAAAFQAAAAAAAAFAAAAAQAAAAAAAAAAAAAAAAAAAAAAAAAAAAAAAAAAAAAAAAAAAAAAAn9/fwAAAAADzMzMAMDA/wB/f38AAAAAAAAAAAAAAAAAAAAAAAAAAAAhAAAAGAAAABQAAAAGCwAAiB0AAMYsAAAEIQAAEAAAACYAAAAIAAAAgYAAAAAAAAA="/>
+                <pr:smNativeData xmlns:pr="smNativeData" val="SMDATA_13_Zg2zYxMAAAAlAAAAZAAAAA8BAAAAkAAAAEgAAACQAAAASAAAAAAAAAACAAAAAAAAAAEAAABQAAAAAAAAAAAA4D8AAAAAAADgPwAAAAAAAOA/AAAAAAAA4D8AAAAAAADgPwAAAAAAAOA/AAAAAAAA4D8AAAAAAADgPwAAAAAAAOA/AAAAAAAA4D8CAAAAjAAAAAAAAAAAAAAAu+DjDP///wgAAAAAAAAAAAAAAAAAAAAAAAAAAAAAAAAAAAAAZAAAAAEAAABAAAAAAAAAAAAAAAAAAAAAAAAAAAAAAAAAAAAAAAAAAAAAAAAAAAAAAAAAAAAAAAAAAAAAAAAAAAAAAAAAAAAAAAAAAAAAAAAAAAAAAAAAAAAAAAAAAAAAFAAAADwAAAAAAAAAAAAAAAAAAAkUAAAAAQAAABQAAAAUAAAAFAAAAAEAAAAAAAAAZAAAAGQAAAAAAAAAZAAAAGQAAAAVAAAAYAAAAAAAAAAAAAAADwAAACADAAAAAAAAAAAAAAEAAACgMgAAVgcAAKr4//8BAAAAf39/AAEAAABkAAAAAAAAABQAAABAHwAAAAAAACYAAAAAAAAAwOD//wAAAAAmAAAAZAAAABYAAABMAAAAAAAAAAAAAAAEAAAAAAAAAAEAAACAgIAKAAAAACgAAAAoAAAAZAAAAGQAAAAAAAAAzMzMAAAAAABQAAAAUAAAAGQAAABkAAAAAAAAABcAAAAUAAAAAAAAAAAAAAD/fwAA/38AAAAAAAAJAAAABAAAAH9/fwAMAAAAEAAAAAAAAAAAAAAAAAAAAAAAAAAeAAAAaAAAAAAAAAAAAAAAAAAAAAAAAAAAAAAAECcAABAnAAAAAAAAAAAAAAAAAAAAAAAAAAAAAAAAAAAAAAAAAAAAABQAAAAAAAAAwMD/AAAAAABkAAAAMgAAAAAAAABkAAAAAAAAAH9/fwAKAAAAHwAAAFQAAAAAAAAFAAAAAQAAAAAAAAAAAAAAAAAAAAAAAAAAAAAAAAAAAAAAAAAAAAAAAn9/fwAAAAADzMzMAMDA/wB/f38AAAAAAAAAAAAAAAAAAAAAAAAAAAAhAAAAGAAAABQAAAAGCwAAiB0AAMYsAAAEIQAAEAAAACYAAAAIAAAAgYAAAAAAAAA="/>
               </a:ext>
             </a:extLst>
           </p:cNvSpPr>
@@ -2530,7 +2531,7 @@
             <a:spLocks noGrp="1" noChangeArrowheads="1"/>
             <a:extLst>
               <a:ext uri="smNativeData">
-                <pr:smNativeData xmlns:pr="smNativeData" val="SMDATA_13_4y+yYxMAAAAlAAAAZAAAAA8BAAAAkAAAAEgAAACQAAAASAAAAAAAAAAAAAAAAAAAAAEAAABQAAAAAAAAAAAA4D8AAAAAAADgPwAAAAAAAOA/AAAAAAAA4D8AAAAAAADgPwAAAAAAAOA/AAAAAAAA4D8AAAAAAADgPwAAAAAAAOA/AAAAAAAA4D8CAAAAjAAAAAAAAAAAAAAAu+DjDP///wgAAAAAAAAAAAAAAAAAAAAAAAAAAAAAAAAAAAAAZAAAAAEAAABAAAAAAAAAAAAAAAAAAAAAAAAAAAAAAAAAAAAAAAAAAAAAAAAAAAAAAAAAAAAAAAAAAAAAAAAAAAAAAAAAAAAAAAAAAAAAAAAAAAAAAAAAAAAAAAAAAAAAFAAAADwAAAAAAAAAAAAAAAAAAAkUAAAAAQAAABQAAAAUAAAAFAAAAAEAAAAAAAAAZAAAAGQAAAAAAAAAZAAAAGQAAAAVAAAAYAAAAAAAAAAAAAAADwAAACADAAAAAAAAAAAAAAEAAACgMgAAVgcAAKr4//8BAAAAf39/AAEAAABkAAAAAAAAABQAAABAHwAAAAAAACYAAAAAAAAAwOD//wAAAAAmAAAAZAAAABYAAABMAAAAAAAAAAAAAAAEAAAAAAAAAAEAAACAgIAKAAAAACgAAAAoAAAAZAAAAGQAAAAAAAAAzMzMAAAAAABQAAAAUAAAAGQAAABkAAAAAAAAABcAAAAUAAAAAAAAAAAAAAD/fwAA/38AAAAAAAAJAAAABAAAAAAAAAAMAAAAEAAAAAAAAAAAAAAAAAAAAAAAAAAeAAAAaAAAAAAAAAAAAAAAAAAAAAAAAAAAAAAAECcAABAnAAAAAAAAAAAAAAAAAAAAAAAAAAAAAAAAAAAAAAAAAAAAABQAAAAAAAAAwMD/AAAAAABkAAAAMgAAAAAAAABkAAAAAAAAAH9/fwAKAAAAHwAAAFQAAAAAAAAFAAAAAQAAAAAAAAAAAAAAAAAAAAAAAAAAAAAAAAAAAAAAAAAAAAAAAn9/fwAAAAADzMzMAMDA/wB/f38AAAAAAAAAAAAAAAAAAAAAAAAAAAAhAAAAGAAAABQAAAAGCwAAxgMAAMYsAAAWHQAAEAAAACYAAAAIAAAAAYAAAAAAAAA="/>
+                <pr:smNativeData xmlns:pr="smNativeData" val="SMDATA_13_Zg2zYxMAAAAlAAAAZAAAAA8BAAAAkAAAAEgAAACQAAAASAAAAAAAAAAAAAAAAAAAAAEAAABQAAAAAAAAAAAA4D8AAAAAAADgPwAAAAAAAOA/AAAAAAAA4D8AAAAAAADgPwAAAAAAAOA/AAAAAAAA4D8AAAAAAADgPwAAAAAAAOA/AAAAAAAA4D8CAAAAjAAAAAAAAAAAAAAAu+DjDP///wgAAAAAAAAAAAAAAAAAAAAAAAAAAAAAAAAAAAAAZAAAAAEAAABAAAAAAAAAAAAAAAAAAAAAAAAAAAAAAAAAAAAAAAAAAAAAAAAAAAAAAAAAAAAAAAAAAAAAAAAAAAAAAAAAAAAAAAAAAAAAAAAAAAAAAAAAAAAAAAAAAAAAFAAAADwAAAAAAAAAAAAAAAAAAAkUAAAAAQAAABQAAAAUAAAAFAAAAAEAAAAAAAAAZAAAAGQAAAAAAAAAZAAAAGQAAAAVAAAAYAAAAAAAAAAAAAAADwAAACADAAAAAAAAAAAAAAEAAACgMgAAVgcAAKr4//8BAAAAf39/AAEAAABkAAAAAAAAABQAAABAHwAAAAAAACYAAAAAAAAAwOD//wAAAAAmAAAAZAAAABYAAABMAAAAAAAAAAAAAAAEAAAAAAAAAAEAAACAgIAKAAAAACgAAAAoAAAAZAAAAGQAAAAAAAAAzMzMAAAAAABQAAAAUAAAAGQAAABkAAAAAAAAABcAAAAUAAAAAAAAAAAAAAD/fwAA/38AAAAAAAAJAAAABAAAAAAAAAAMAAAAEAAAAAAAAAAAAAAAAAAAAAAAAAAeAAAAaAAAAAAAAAAAAAAAAAAAAAAAAAAAAAAAECcAABAnAAAAAAAAAAAAAAAAAAAAAAAAAAAAAAAAAAAAAAAAAAAAABQAAAAAAAAAwMD/AAAAAABkAAAAMgAAAAAAAABkAAAAAAAAAH9/fwAKAAAAHwAAAFQAAAAAAAAFAAAAAQAAAAAAAAAAAAAAAAAAAAAAAAAAAAAAAAAAAAAAAAAAAAAAAn9/fwAAAAADzMzMAMDA/wB/f38AAAAAAAAAAAAAAAAAAAAAAAAAAAAhAAAAGAAAABQAAAAGCwAAxgMAAMYsAAAWHQAAEAAAACYAAAAIAAAAAYAAAAAAAAA="/>
               </a:ext>
             </a:extLst>
           </p:cNvSpPr>
@@ -2599,7 +2600,7 @@
             <a:spLocks noGrp="1" noChangeArrowheads="1"/>
             <a:extLst>
               <a:ext uri="smNativeData">
-                <pr:smNativeData xmlns:pr="smNativeData" val="SMDATA_13_4y+yYxMAAAAlAAAAZAAAAA8BAAAAkAAAAEgAAACQAAAASAAAAAAAAAAAAAAAAAAAAAEAAABQAAAAAAAAAAAA4D8AAAAAAADgPwAAAAAAAOA/AAAAAAAA4D8AAAAAAADgPwAAAAAAAOA/AAAAAAAA4D8AAAAAAADgPwAAAAAAAOA/AAAAAAAA4D8CAAAAjAAAAAAAAAAAAAAAu+DjDP///wgAAAAAAAAAAAAAAAAAAAAAAAAAAAAAAAAAAAAAZAAAAAEAAABAAAAAAAAAAAAAAAAAAAAAAAAAAAAAAAAAAAAAAAAAAAAAAAAAAAAAAAAAAAAAAAAAAAAAAAAAAAAAAAAAAAAAAAAAAAAAAAAAAAAAAAAAAAAAAAAAAAAAFAAAADwAAAAAAAAAAAAAAAAAAAkUAAAAAQAAABQAAAAUAAAAFAAAAAEAAAAAAAAAZAAAAGQAAAAAAAAAZAAAAGQAAAAVAAAAYAAAAAAAAAAAAAAADwAAACADAAAAAAAAAAAAAAEAAACgMgAAVgcAAKr4//8BAAAAf39/AAEAAABkAAAAAAAAABQAAABAHwAAAAAAACYAAAAAAAAAwOD//wAAAAAmAAAAZAAAABYAAABMAAAAAAAAAAAAAAAEAAAAAAAAAAEAAACAgIAKAAAAACgAAAAoAAAAZAAAAGQAAAAAAAAAzMzMAAAAAABQAAAAUAAAAGQAAABkAAAAAAAAABcAAAAUAAAAAAAAAAAAAAD/fwAA/38AAAAAAAAJAAAABAAAAAAAAAAMAAAAEAAAAAAAAAAAAAAAAAAAAAAAAAAeAAAAaAAAAAAAAAAAAAAAAAAAAAAAAAAAAAAAECcAABAnAAAAAAAAAAAAAAAAAAAAAAAAAAAAAAAAAAAAAAAAAAAAABQAAAAAAAAAwMD/AAAAAABkAAAAMgAAAAAAAABkAAAAAAAAAH9/fwAKAAAAHwAAAFQAAAAAAAAFAAAAAQAAAAAAAAAAAAAAAAAAAAAAAAAAAAAAAAAAAAAAAAAAAAAAAn9/fwAAAAADzMzMAMDA/wB/f38AAAAAAAAAAAAAAAAAAAAAAAAAAAAhAAAAGAAAABQAAAAGCwAABCEAAMYsAAD4JQAAEAAAACYAAAAIAAAAAYAAAAAAAAA="/>
+                <pr:smNativeData xmlns:pr="smNativeData" val="SMDATA_13_Zg2zYxMAAAAlAAAAZAAAAA8BAAAAkAAAAEgAAACQAAAASAAAAAAAAAAAAAAAAAAAAAEAAABQAAAAAAAAAAAA4D8AAAAAAADgPwAAAAAAAOA/AAAAAAAA4D8AAAAAAADgPwAAAAAAAOA/AAAAAAAA4D8AAAAAAADgPwAAAAAAAOA/AAAAAAAA4D8CAAAAjAAAAAAAAAAAAAAAu+DjDP///wgAAAAAAAAAAAAAAAAAAAAAAAAAAAAAAAAAAAAAZAAAAAEAAABAAAAAAAAAAAAAAAAAAAAAAAAAAAAAAAAAAAAAAAAAAAAAAAAAAAAAAAAAAAAAAAAAAAAAAAAAAAAAAAAAAAAAAAAAAAAAAAAAAAAAAAAAAAAAAAAAAAAAFAAAADwAAAAAAAAAAAAAAAAAAAkUAAAAAQAAABQAAAAUAAAAFAAAAAEAAAAAAAAAZAAAAGQAAAAAAAAAZAAAAGQAAAAVAAAAYAAAAAAAAAAAAAAADwAAACADAAAAAAAAAAAAAAEAAACgMgAAVgcAAKr4//8BAAAAf39/AAEAAABkAAAAAAAAABQAAABAHwAAAAAAACYAAAAAAAAAwOD//wAAAAAmAAAAZAAAABYAAABMAAAAAAAAAAAAAAAEAAAAAAAAAAEAAACAgIAKAAAAACgAAAAoAAAAZAAAAGQAAAAAAAAAzMzMAAAAAABQAAAAUAAAAGQAAABkAAAAAAAAABcAAAAUAAAAAAAAAAAAAAD/fwAA/38AAAAAAAAJAAAABAAAAAAAAAAMAAAAEAAAAAAAAAAAAAAAAAAAAAAAAAAeAAAAaAAAAAAAAAAAAAAAAAAAAAAAAAAAAAAAECcAABAnAAAAAAAAAAAAAAAAAAAAAAAAAAAAAAAAAAAAAAAAAAAAABQAAAAAAAAAwMD/AAAAAABkAAAAMgAAAAAAAABkAAAAAAAAAH9/fwAKAAAAHwAAAFQAAAAAAAAFAAAAAQAAAAAAAAAAAAAAAAAAAAAAAAAAAAAAAAAAAAAAAAAAAAAAAn9/fwAAAAADzMzMAMDA/wB/f38AAAAAAAAAAAAAAAAAAAAAAAAAAAAhAAAAGAAAABQAAAAGCwAABCEAAMYsAAD4JQAAEAAAACYAAAAIAAAAAYAAAAAAAAA="/>
               </a:ext>
             </a:extLst>
           </p:cNvSpPr>
@@ -2668,7 +2669,7 @@
             <a:spLocks noGrp="1" noChangeArrowheads="1"/>
             <a:extLst>
               <a:ext uri="smNativeData">
-                <pr:smNativeData xmlns:pr="smNativeData" val="SMDATA_13_4y+yYxMAAAAlAAAAZAAAAA8BAAAAkAAAAEgAAACQAAAASAAAAAAAAAABAAAAAAAAAAEAAABQAAAAAAAAAAAA4D8AAAAAAADgPwAAAAAAAOA/AAAAAAAA4D8AAAAAAADgPwAAAAAAAOA/AAAAAAAA4D8AAAAAAADgPwAAAAAAAOA/AAAAAAAA4D8CAAAAjAAAAAAAAAAAAAAAu+DjDP///wgAAAAAAAAAAAAAAAAAAAAAAAAAAAAAAAAAAAAAZAAAAAEAAABAAAAAAAAAAAAAAAAAAAAAAAAAAAAAAAAAAAAAAAAAAAAAAAAAAAAAAAAAAAAAAAAAAAAAAAAAAAAAAAAAAAAAAAAAAAAAAAAAAAAAAAAAAAAAAAAAAAAAFAAAADwAAAAAAAAAAAAAAAAAAAkUAAAAAQAAABQAAAAUAAAAFAAAAAEAAAAAAAAAZAAAAGQAAAAAAAAAZAAAAGQAAAAVAAAAYAAAAAAAAAAAAAAADwAAACADAAAAAAAAAAAAAAEAAACgMgAAVgcAAKr4//8BAAAAf39/AAEAAABkAAAAAAAAABQAAABAHwAAAAAAACYAAAAAAAAAwOD//wAAAAAmAAAAZAAAABYAAABMAAAAAAAAAAAAAAAEAAAAAAAAAAEAAACAgIAKAAAAACgAAAAoAAAAZAAAAGQAAAAAAAAAzMzMAAAAAABQAAAAUAAAAGQAAABkAAAAAAAAABcAAAAUAAAAAAAAAAAAAAD/fwAA/38AAAAAAAAJAAAABAAAAAAAAAAMAAAAEAAAAAAAAAAAAAAAAAAAAAAAAAAeAAAAaAAAAAAAAAAAAAAAAAAAAAAAAAAAAAAAECcAABAnAAAAAAAAAAAAAAAAAAAAAAAAAAAAAAAAAAAAAAAAAAAAABQAAAAAAAAAwMD/AAAAAABkAAAAMgAAAAAAAABkAAAAAAAAAH9/fwAKAAAAHwAAAFQAAAAAAAAFAAAAAQAAAAAAAAAAAAAAAAAAAAAAAAAAAAAAAAAAAAAAAAAAAAAAAn9/fwAAAAADzMzMAMDA/wB/f38AAAAAAAAAAAAAAAAAAAAAAAAAAAAhAAAAGAAAABQAAADQAgAAGycAAPAPAABZKQAAEAAAACYAAAAIAAAAAAAAAAAAAAA="/>
+                <pr:smNativeData xmlns:pr="smNativeData" val="SMDATA_13_Zg2zYxMAAAAlAAAAZAAAAA8BAAAAkAAAAEgAAACQAAAASAAAAAAAAAABAAAAAAAAAAEAAABQAAAAAAAAAAAA4D8AAAAAAADgPwAAAAAAAOA/AAAAAAAA4D8AAAAAAADgPwAAAAAAAOA/AAAAAAAA4D8AAAAAAADgPwAAAAAAAOA/AAAAAAAA4D8CAAAAjAAAAAAAAAAAAAAAu+DjDP///wgAAAAAAAAAAAAAAAAAAAAAAAAAAAAAAAAAAAAAZAAAAAEAAABAAAAAAAAAAAAAAAAAAAAAAAAAAAAAAAAAAAAAAAAAAAAAAAAAAAAAAAAAAAAAAAAAAAAAAAAAAAAAAAAAAAAAAAAAAAAAAAAAAAAAAAAAAAAAAAAAAAAAFAAAADwAAAAAAAAAAAAAAAAAAAkUAAAAAQAAABQAAAAUAAAAFAAAAAEAAAAAAAAAZAAAAGQAAAAAAAAAZAAAAGQAAAAVAAAAYAAAAAAAAAAAAAAADwAAACADAAAAAAAAAAAAAAEAAACgMgAAVgcAAKr4//8BAAAAf39/AAEAAABkAAAAAAAAABQAAABAHwAAAAAAACYAAAAAAAAAwOD//wAAAAAmAAAAZAAAABYAAABMAAAAAAAAAAAAAAAEAAAAAAAAAAEAAACAgIAKAAAAACgAAAAoAAAAZAAAAGQAAAAAAAAAzMzMAAAAAABQAAAAUAAAAGQAAABkAAAAAAAAABcAAAAUAAAAAAAAAAAAAAD/fwAA/38AAAAAAAAJAAAABAAAAAAAAAAMAAAAEAAAAAAAAAAAAAAAAAAAAAAAAAAeAAAAaAAAAAAAAAAAAAAAAAAAAAAAAAAAAAAAECcAABAnAAAAAAAAAAAAAAAAAAAAAAAAAAAAAAAAAAAAAAAAAAAAABQAAAAAAAAAwMD/AAAAAABkAAAAMgAAAAAAAABkAAAAAAAAAH9/fwAKAAAAHwAAAFQAAAAAAAAFAAAAAQAAAAAAAAAAAAAAAAAAAAAAAAAAAAAAAAAAAAAAAAAAAAAAAn9/fwAAAAADzMzMAMDA/wB/f38AAAAAAAAAAAAAAAAAAAAAAAAAAAAhAAAAGAAAABQAAADQAgAAGycAAPAPAABZKQAAEAAAACYAAAAIAAAAAAAAAAAAAAA="/>
               </a:ext>
             </a:extLst>
           </p:cNvSpPr>
@@ -2682,7 +2683,7 @@
           <a:lstStyle/>
           <a:p>
             <a:pPr/>
-            <a:fld id="{0608CB06-48EB-5D3D-A5B0-BE6885FE53EB}" type="datetime1">
+            <a:fld id="{03A9CBCD-83EE-FC3D-A011-7568855F5620}" type="datetime1">
               <a:t/>
             </a:fld>
           </a:p>
@@ -2695,7 +2696,7 @@
             <a:spLocks noGrp="1" noChangeArrowheads="1"/>
             <a:extLst>
               <a:ext uri="smNativeData">
-                <pr:smNativeData xmlns:pr="smNativeData" val="SMDATA_13_4y+yYxMAAAAlAAAAZAAAAA8BAAAAkAAAAEgAAACQAAAASAAAAAAAAAABAAAAAAAAAAEAAABQAAAAAAAAAAAA4D8AAAAAAADgPwAAAAAAAOA/AAAAAAAA4D8AAAAAAADgPwAAAAAAAOA/AAAAAAAA4D8AAAAAAADgPwAAAAAAAOA/AAAAAAAA4D8CAAAAjAAAAAAAAAAAAAAAu+DjDP///wgAAAAAAAAAAAAAAAAAAAAAAAAAAAAAAAAAAAAAZAAAAAEAAABAAAAAAAAAAAAAAAAAAAAAAAAAAAAAAAAAAAAAAAAAAAAAAAAAAAAAAAAAAAAAAAAAAAAAAAAAAAAAAAAAAAAAAAAAAAAAAAAAAAAAAAAAAAAAAAAAAAAAFAAAADwAAAAAAAAAAAAAAAAAAAkUAAAAAQAAABQAAAAUAAAAFAAAAAEAAAAAAAAAZAAAAGQAAAAAAAAAZAAAAGQAAAAVAAAAYAAAAAAAAAAAAAAADwAAACADAAAAAAAAAAAAAAEAAACgMgAAVgcAAKr4//8BAAAAf39/AAEAAABkAAAAAAAAABQAAABAHwAAAAAAACYAAAAAAAAAwOD//wAAAAAmAAAAZAAAABYAAABMAAAAAAAAAAAAAAAEAAAAAAAAAAEAAACAgIAKAAAAACgAAAAoAAAAZAAAAGQAAAAAAAAAzMzMAAAAAABQAAAAUAAAAGQAAABkAAAAAAAAABcAAAAUAAAAAAAAAAAAAAD/fwAA/38AAAAAAAAJAAAABAAAAAAAAAAMAAAAEAAAAAAAAAAAAAAAAAAAAAAAAAAeAAAAaAAAAAAAAAAAAAAAAAAAAAAAAAAAAAAAECcAABAnAAAAAAAAAAAAAAAAAAAAAAAAAAAAAAAAAAAAAAAAAAAAABQAAAAAAAAAwMD/AAAAAABkAAAAMgAAAAAAAABkAAAAAAAAAH9/fwAKAAAAHwAAAFQAAAAAAAAFAAAAAQAAAAAAAAAAAAAAAAAAAAAAAAAAAAAAAAAAAAAAAAAAAAAAAn9/fwAAAAADzMzMAMDA/wB/f38AAAAAAAAAAAAAAAAAAAAAAAAAAAAhAAAAGAAAABQAAAA4EwAAGycAAAglAABZKQAAEAAAACYAAAAIAAAAAAAAAAAAAAA="/>
+                <pr:smNativeData xmlns:pr="smNativeData" val="SMDATA_13_Zg2zYxMAAAAlAAAAZAAAAA8BAAAAkAAAAEgAAACQAAAASAAAAAAAAAABAAAAAAAAAAEAAABQAAAAAAAAAAAA4D8AAAAAAADgPwAAAAAAAOA/AAAAAAAA4D8AAAAAAADgPwAAAAAAAOA/AAAAAAAA4D8AAAAAAADgPwAAAAAAAOA/AAAAAAAA4D8CAAAAjAAAAAAAAAAAAAAAu+DjDP///wgAAAAAAAAAAAAAAAAAAAAAAAAAAAAAAAAAAAAAZAAAAAEAAABAAAAAAAAAAAAAAAAAAAAAAAAAAAAAAAAAAAAAAAAAAAAAAAAAAAAAAAAAAAAAAAAAAAAAAAAAAAAAAAAAAAAAAAAAAAAAAAAAAAAAAAAAAAAAAAAAAAAAFAAAADwAAAAAAAAAAAAAAAAAAAkUAAAAAQAAABQAAAAUAAAAFAAAAAEAAAAAAAAAZAAAAGQAAAAAAAAAZAAAAGQAAAAVAAAAYAAAAAAAAAAAAAAADwAAACADAAAAAAAAAAAAAAEAAACgMgAAVgcAAKr4//8BAAAAf39/AAEAAABkAAAAAAAAABQAAABAHwAAAAAAACYAAAAAAAAAwOD//wAAAAAmAAAAZAAAABYAAABMAAAAAAAAAAAAAAAEAAAAAAAAAAEAAACAgIAKAAAAACgAAAAoAAAAZAAAAGQAAAAAAAAAzMzMAAAAAABQAAAAUAAAAGQAAABkAAAAAAAAABcAAAAUAAAAAAAAAAAAAAD/fwAA/38AAAAAAAAJAAAABAAAAAAAAAAMAAAAEAAAAAAAAAAAAAAAAAAAAAAAAAAeAAAAaAAAAAAAAAAAAAAAAAAAAAAAAAAAAAAAECcAABAnAAAAAAAAAAAAAAAAAAAAAAAAAAAAAAAAAAAAAAAAAAAAABQAAAAAAAAAwMD/AAAAAABkAAAAMgAAAAAAAABkAAAAAAAAAH9/fwAKAAAAHwAAAFQAAAAAAAAFAAAAAQAAAAAAAAAAAAAAAAAAAAAAAAAAAAAAAAAAAAAAAAAAAAAAAn9/fwAAAAADzMzMAMDA/wB/f38AAAAAAAAAAAAAAAAAAAAAAAAAAAAhAAAAGAAAABQAAAA4EwAAGycAAAglAABZKQAAEAAAACYAAAAIAAAAAAAAAAAAAAA="/>
               </a:ext>
             </a:extLst>
           </p:cNvSpPr>
@@ -2719,7 +2720,7 @@
             <a:spLocks noGrp="1" noChangeArrowheads="1"/>
             <a:extLst>
               <a:ext uri="smNativeData">
-                <pr:smNativeData xmlns:pr="smNativeData" val="SMDATA_13_4y+yYxMAAAAlAAAAZAAAAA8BAAAAkAAAAEgAAACQAAAASAAAAAAAAAABAAAAAAAAAAEAAABQAAAAAAAAAAAA4D8AAAAAAADgPwAAAAAAAOA/AAAAAAAA4D8AAAAAAADgPwAAAAAAAOA/AAAAAAAA4D8AAAAAAADgPwAAAAAAAOA/AAAAAAAA4D8CAAAAjAAAAAAAAAAAAAAAu+DjDP///wgAAAAAAAAAAAAAAAAAAAAAAAAAAAAAAAAAAAAAZAAAAAEAAABAAAAAAAAAAAAAAAAAAAAAAAAAAAAAAAAAAAAAAAAAAAAAAAAAAAAAAAAAAAAAAAAAAAAAAAAAAAAAAAAAAAAAAAAAAAAAAAAAAAAAAAAAAAAAAAAAAAAAFAAAADwAAAAAAAAAAAAAAAAAAAkUAAAAAQAAABQAAAAUAAAAFAAAAAEAAAAAAAAAZAAAAGQAAAAAAAAAZAAAAGQAAAAVAAAAYAAAAAAAAAAAAAAADwAAACADAAAAAAAAAAAAAAEAAACgMgAAVgcAAKr4//8BAAAAf39/AAEAAABkAAAAAAAAABQAAABAHwAAAAAAACYAAAAAAAAAwOD//wAAAAAmAAAAZAAAABYAAABMAAAAAAAAAAAAAAAEAAAAAAAAAAEAAACAgIAKAAAAACgAAAAoAAAAZAAAAGQAAAAAAAAAzMzMAAAAAABQAAAAUAAAAGQAAABkAAAAAAAAABcAAAAUAAAAAAAAAAAAAAD/fwAA/38AAAAAAAAJAAAABAAAAAAAAAAMAAAAEAAAAAAAAAAAAAAAAAAAAAAAAAAeAAAAaAAAAAAAAAAAAAAAAAAAAAAAAAAAAAAAECcAABAnAAAAAAAAAAAAAAAAAAAAAAAAAAAAAAAAAAAAAAAAAAAAABQAAAAAAAAAwMD/AAAAAABkAAAAMgAAAAAAAABkAAAAAAAAAH9/fwAKAAAAHwAAAFQAAAAAAAAFAAAAAQAAAAAAAAAAAAAAAAAAAAAAAAAAAAAAAAAAAAAAAAAAAAAAAn9/fwAAAAADzMzMAMDA/wB/f38AAAAAAAAAAAAAAAAAAAAAAAAAAAAhAAAAGAAAABQAAABQKAAAGycAAHA1AABZKQAAEAAAACYAAAAIAAAAAAAAAAAAAAA="/>
+                <pr:smNativeData xmlns:pr="smNativeData" val="SMDATA_13_Zg2zYxMAAAAlAAAAZAAAAA8BAAAAkAAAAEgAAACQAAAASAAAAAAAAAABAAAAAAAAAAEAAABQAAAAAAAAAAAA4D8AAAAAAADgPwAAAAAAAOA/AAAAAAAA4D8AAAAAAADgPwAAAAAAAOA/AAAAAAAA4D8AAAAAAADgPwAAAAAAAOA/AAAAAAAA4D8CAAAAjAAAAAAAAAAAAAAAu+DjDP///wgAAAAAAAAAAAAAAAAAAAAAAAAAAAAAAAAAAAAAZAAAAAEAAABAAAAAAAAAAAAAAAAAAAAAAAAAAAAAAAAAAAAAAAAAAAAAAAAAAAAAAAAAAAAAAAAAAAAAAAAAAAAAAAAAAAAAAAAAAAAAAAAAAAAAAAAAAAAAAAAAAAAAFAAAADwAAAAAAAAAAAAAAAAAAAkUAAAAAQAAABQAAAAUAAAAFAAAAAEAAAAAAAAAZAAAAGQAAAAAAAAAZAAAAGQAAAAVAAAAYAAAAAAAAAAAAAAADwAAACADAAAAAAAAAAAAAAEAAACgMgAAVgcAAKr4//8BAAAAf39/AAEAAABkAAAAAAAAABQAAABAHwAAAAAAACYAAAAAAAAAwOD//wAAAAAmAAAAZAAAABYAAABMAAAAAAAAAAAAAAAEAAAAAAAAAAEAAACAgIAKAAAAACgAAAAoAAAAZAAAAGQAAAAAAAAAzMzMAAAAAABQAAAAUAAAAGQAAABkAAAAAAAAABcAAAAUAAAAAAAAAAAAAAD/fwAA/38AAAAAAAAJAAAABAAAAAAAAAAMAAAAEAAAAAAAAAAAAAAAAAAAAAAAAAAeAAAAaAAAAAAAAAAAAAAAAAAAAAAAAAAAAAAAECcAABAnAAAAAAAAAAAAAAAAAAAAAAAAAAAAAAAAAAAAAAAAAAAAABQAAAAAAAAAwMD/AAAAAABkAAAAMgAAAAAAAABkAAAAAAAAAH9/fwAKAAAAHwAAAFQAAAAAAAAFAAAAAQAAAAAAAAAAAAAAAAAAAAAAAAAAAAAAAAAAAAAAAAAAAAAAAn9/fwAAAAADzMzMAMDA/wB/f38AAAAAAAAAAAAAAAAAAAAAAAAAAAAhAAAAGAAAABQAAABQKAAAGycAAHA1AABZKQAAEAAAACYAAAAIAAAAAAAAAAAAAAA="/>
               </a:ext>
             </a:extLst>
           </p:cNvSpPr>
@@ -2733,7 +2734,7 @@
           <a:lstStyle/>
           <a:p>
             <a:pPr/>
-            <a:fld id="{0608A1DD-93EB-5D57-A5B0-6502EFFE5330}" type="slidenum">
+            <a:fld id="{03A9DB9A-D4EE-FC2D-A011-2278955F5677}" type="slidenum">
               <a:t/>
             </a:fld>
           </a:p>
@@ -2779,7 +2780,7 @@
             <a:spLocks noGrp="1" noChangeArrowheads="1"/>
             <a:extLst>
               <a:ext uri="smNativeData">
-                <pr:smNativeData xmlns:pr="smNativeData" val="SMDATA_13_4y+yYxMAAAAlAAAAZAAAAA8BAAAAkAAAAEgAAACQAAAASAAAAAAAAAABAAAAAAAAAAEAAABQAAAAAAAAAAAA4D8AAAAAAADgPwAAAAAAAOA/AAAAAAAA4D8AAAAAAADgPwAAAAAAAOA/AAAAAAAA4D8AAAAAAADgPwAAAAAAAOA/AAAAAAAA4D8CAAAAjAAAAAAAAAAAAAAAu+DjDP///wgAAAAAAAAAAAAAAAAAAAAAAAAAAAAAAAAAAAAAZAAAAAEAAABAAAAAAAAAAAAAAAAAAAAAAAAAAAAAAAAAAAAAAAAAAAAAAAAAAAAAAAAAAAAAAAAAAAAAAAAAAAAAAAAAAAAAAAAAAAAAAAAAAAAAAAAAAAAAAAAAAAAAFAAAADwAAAAAAAAAAAAAAAAAAAkUAAAAAQAAABQAAAAUAAAAFAAAAAEAAAAAAAAAZAAAAGQAAAAAAAAAZAAAAGQAAAAVAAAAYAAAAAAAAAAAAAAADwAAACADAAAAAAAAAAAAAAEAAACgMgAAVgcAAKr4//8BAAAAf39/AAEAAABkAAAAAAAAABQAAABAHwAAAAAAACYAAAAAAAAAwOD//wAAAAAmAAAAZAAAABYAAABMAAAAAAAAAAAAAAAEAAAAAAAAAAEAAACAgIAKAAAAACgAAAAoAAAAZAAAAGQAAAAAAAAAzMzMAAAAAABQAAAAUAAAAGQAAABkAAAAAAAAABcAAAAUAAAAAAAAAAAAAAD/fwAA/38AAAAAAAAJAAAABAAAAAAAAAAMAAAAEAAAAAAAAAAAAAAAAAAAAAAAAAAeAAAAaAAAAAAAAAAAAAAAAAAAAAAAAAAAAAAAECcAABAnAAAAAAAAAAAAAAAAAAAAAAAAAAAAAAAAAAAAAAAAAAAAABQAAAAAAAAAwMD/AAAAAABkAAAAMgAAAAAAAABkAAAAAAAAAH9/fwAKAAAAHwAAAFQAAAAAAAAFAAAAAQAAAAAAAAAAAAAAAAAAAAAAAAAAAAAAAAAAAAAAAAAAAAAAAn9/fwAAAAADzMzMAMDA/wB/f38AAAAAAAAAAAAAAAAAAAAAAAAAAAAhAAAAGAAAABQAAADQAgAAsAEAAHA1AAC4CAAAEAAAACYAAAAIAAAA//////////8="/>
+                <pr:smNativeData xmlns:pr="smNativeData" val="SMDATA_13_Zg2zYxMAAAAlAAAAZAAAAA8BAAAAkAAAAEgAAACQAAAASAAAAAAAAAABAAAAAAAAAAEAAABQAAAAAAAAAAAA4D8AAAAAAADgPwAAAAAAAOA/AAAAAAAA4D8AAAAAAADgPwAAAAAAAOA/AAAAAAAA4D8AAAAAAADgPwAAAAAAAOA/AAAAAAAA4D8CAAAAjAAAAAAAAAAAAAAAu+DjDP///wgAAAAAAAAAAAAAAAAAAAAAAAAAAAAAAAAAAAAAZAAAAAEAAABAAAAAAAAAAAAAAAAAAAAAAAAAAAAAAAAAAAAAAAAAAAAAAAAAAAAAAAAAAAAAAAAAAAAAAAAAAAAAAAAAAAAAAAAAAAAAAAAAAAAAAAAAAAAAAAAAAAAAFAAAADwAAAAAAAAAAAAAAAAAAAkUAAAAAQAAABQAAAAUAAAAFAAAAAEAAAAAAAAAZAAAAGQAAAAAAAAAZAAAAGQAAAAVAAAAYAAAAAAAAAAAAAAADwAAACADAAAAAAAAAAAAAAEAAACgMgAAVgcAAKr4//8BAAAAf39/AAEAAABkAAAAAAAAABQAAABAHwAAAAAAACYAAAAAAAAAwOD//wAAAAAmAAAAZAAAABYAAABMAAAAAAAAAAAAAAAEAAAAAAAAAAEAAACAgIAKAAAAACgAAAAoAAAAZAAAAGQAAAAAAAAAzMzMAAAAAABQAAAAUAAAAGQAAABkAAAAAAAAABcAAAAUAAAAAAAAAAAAAAD/fwAA/38AAAAAAAAJAAAABAAAAAAAAAAMAAAAEAAAAAAAAAAAAAAAAAAAAAAAAAAeAAAAaAAAAAAAAAAAAAAAAAAAAAAAAAAAAAAAECcAABAnAAAAAAAAAAAAAAAAAAAAAAAAAAAAAAAAAAAAAAAAAAAAABQAAAAAAAAAwMD/AAAAAABkAAAAMgAAAAAAAABkAAAAAAAAAH9/fwAKAAAAHwAAAFQAAAAAAAAFAAAAAQAAAAAAAAAAAAAAAAAAAAAAAAAAAAAAAAAAAAAAAAAAAAAAAn9/fwAAAAADzMzMAMDA/wB/f38AAAAAAAAAAAAAAAAAAAAAAAAAAAAhAAAAGAAAABQAAADQAgAAsAEAAHA1AAC4CAAAEAAAACYAAAAIAAAA//////////8="/>
               </a:ext>
             </a:extLst>
           </p:cNvSpPr>
@@ -2823,7 +2824,7 @@
             <a:spLocks noGrp="1" noChangeArrowheads="1"/>
             <a:extLst>
               <a:ext uri="smNativeData">
-                <pr:smNativeData xmlns:pr="smNativeData" val="SMDATA_13_4y+yYxMAAAAlAAAAZAAAAA8BAAAAkAAAAEgAAACQAAAASAAAAAAAAAAAAAAAAAAAAAEAAABQAAAAAAAAAAAA4D8AAAAAAADgPwAAAAAAAOA/AAAAAAAA4D8AAAAAAADgPwAAAAAAAOA/AAAAAAAA4D8AAAAAAADgPwAAAAAAAOA/AAAAAAAA4D8CAAAAjAAAAAAAAAAAAAAAu+DjDP///wgAAAAAAAAAAAAAAAAAAAAAAAAAAAAAAAAAAAAAZAAAAAEAAABAAAAAAAAAAAAAAAAAAAAAAAAAAAAAAAAAAAAAAAAAAAAAAAAAAAAAAAAAAAAAAAAAAAAAAAAAAAAAAAAAAAAAAAAAAAAAAAAAAAAAAAAAAAAAAAAAAAAAFAAAADwAAAAAAAAAAAAAAAAAAAkUAAAAAQAAABQAAAAUAAAAFAAAAAEAAAAAAAAAZAAAAGQAAAAAAAAAZAAAAGQAAAAVAAAAYAAAAAAAAAAAAAAADwAAACADAAAAAAAAAAAAAAEAAACgMgAAVgcAAKr4//8BAAAAf39/AAEAAABkAAAAAAAAABQAAABAHwAAAAAAACYAAAAAAAAAwOD//wAAAAAmAAAAZAAAABYAAABMAAAAAAAAAAAAAAAEAAAAAAAAAAEAAACAgIAKAAAAACgAAAAoAAAAZAAAAGQAAAAAAAAAzMzMAAAAAABQAAAAUAAAAGQAAABkAAAAAAAAABcAAAAUAAAAAAAAAAAAAAD/fwAA/38AAAAAAAAJAAAABAAAAAAAAAAMAAAAEAAAAAAAAAAAAAAAAAAAAAAAAAAeAAAAaAAAAAAAAAAAAAAAAAAAAAAAAAAAAAAAECcAABAnAAAAAAAAAAAAAAAAAAAAAAAAAAAAAAAAAAAAAAAAAAAAABQAAAAAAAAAwMD/AAAAAABkAAAAMgAAAAAAAABkAAAAAAAAAH9/fwAKAAAAHwAAAFQAAAAAAAAFAAAAAQAAAAAAAAAAAAAAAAAAAAAAAAAAAAAAAAAAAAAAAAAAAAAAAn9/fwAAAAADzMzMAMDA/wB/f38AAAAAAAAAAAAAAAAAAAAAAAAAAAAhAAAAGAAAABQAAADQAgAA2AkAAHA1AACwJQAAEAAAACYAAAAIAAAA//////////8="/>
+                <pr:smNativeData xmlns:pr="smNativeData" val="SMDATA_13_Zg2zYxMAAAAlAAAAZAAAAA8BAAAAkAAAAEgAAACQAAAASAAAAAAAAAAAAAAAAAAAAAEAAABQAAAAAAAAAAAA4D8AAAAAAADgPwAAAAAAAOA/AAAAAAAA4D8AAAAAAADgPwAAAAAAAOA/AAAAAAAA4D8AAAAAAADgPwAAAAAAAOA/AAAAAAAA4D8CAAAAjAAAAAAAAAAAAAAAu+DjDP///wgAAAAAAAAAAAAAAAAAAAAAAAAAAAAAAAAAAAAAZAAAAAEAAABAAAAAAAAAAAAAAAAAAAAAAAAAAAAAAAAAAAAAAAAAAAAAAAAAAAAAAAAAAAAAAAAAAAAAAAAAAAAAAAAAAAAAAAAAAAAAAAAAAAAAAAAAAAAAAAAAAAAAFAAAADwAAAAAAAAAAAAAAAAAAAkUAAAAAQAAABQAAAAUAAAAFAAAAAEAAAAAAAAAZAAAAGQAAAAAAAAAZAAAAGQAAAAVAAAAYAAAAAAAAAAAAAAADwAAACADAAAAAAAAAAAAAAEAAACgMgAAVgcAAKr4//8BAAAAf39/AAEAAABkAAAAAAAAABQAAABAHwAAAAAAACYAAAAAAAAAwOD//wAAAAAmAAAAZAAAABYAAABMAAAAAAAAAAAAAAAEAAAAAAAAAAEAAACAgIAKAAAAACgAAAAoAAAAZAAAAGQAAAAAAAAAzMzMAAAAAABQAAAAUAAAAGQAAABkAAAAAAAAABcAAAAUAAAAAAAAAAAAAAD/fwAA/38AAAAAAAAJAAAABAAAAAAAAAAMAAAAEAAAAAAAAAAAAAAAAAAAAAAAAAAeAAAAaAAAAAAAAAAAAAAAAAAAAAAAAAAAAAAAECcAABAnAAAAAAAAAAAAAAAAAAAAAAAAAAAAAAAAAAAAAAAAAAAAABQAAAAAAAAAwMD/AAAAAABkAAAAMgAAAAAAAABkAAAAAAAAAH9/fwAKAAAAHwAAAFQAAAAAAAAFAAAAAQAAAAAAAAAAAAAAAAAAAAAAAAAAAAAAAAAAAAAAAAAAAAAAAn9/fwAAAAADzMzMAMDA/wB/f38AAAAAAAAAAAAAAAAAAAAAAAAAAAAhAAAAGAAAABQAAADQAgAA2AkAAHA1AACwJQAAEAAAACYAAAAIAAAA//////////8="/>
               </a:ext>
             </a:extLst>
           </p:cNvSpPr>
@@ -2891,7 +2892,7 @@
             <a:spLocks noGrp="1" noChangeArrowheads="1"/>
             <a:extLst>
               <a:ext uri="smNativeData">
-                <pr:smNativeData xmlns:pr="smNativeData" val="SMDATA_13_4y+yYxMAAAAlAAAAZAAAAA8BAAAAkAAAAEgAAACQAAAASAAAAAAAAAABAAAAAAAAAAEAAABQAAAAAAAAAAAA4D8AAAAAAADgPwAAAAAAAOA/AAAAAAAA4D8AAAAAAADgPwAAAAAAAOA/AAAAAAAA4D8AAAAAAADgPwAAAAAAAOA/AAAAAAAA4D8CAAAAjAAAAAAAAAAAAAAAu+DjDP///wgAAAAAAAAAAAAAAAAAAAAAAAAAAAAAAAAAAAAAZAAAAAEAAABAAAAAAAAAAAAAAAAAAAAAAAAAAAAAAAAAAAAAAAAAAAAAAAAAAAAAAAAAAAAAAAAAAAAAAAAAAAAAAAAAAAAAAAAAAAAAAAAAAAAAAAAAAAAAAAAAAAAAFAAAADwAAAAAAAAAAAAAAAAAAAkUAAAAAQAAABQAAAAUAAAAFAAAAAEAAAAAAAAAZAAAAGQAAAAAAAAAZAAAAGQAAAAVAAAAYAAAAAAAAAAAAAAADwAAACADAAAAAAAAAAAAAAEAAACgMgAAVgcAAKr4//8BAAAAf39/AAEAAABkAAAAAAAAABQAAABAHwAAAAAAACYAAAAAAAAAwOD//wAAAAAmAAAAZAAAABYAAABMAAAAAAAAAAAAAAAEAAAAAAAAAAEAAACAgIAKAAAAACgAAAAoAAAAZAAAAGQAAAAAAAAAzMzMAAAAAABQAAAAUAAAAGQAAABkAAAAAAAAABcAAAAUAAAAAAAAAAAAAAD/fwAA/38AAAAAAAAJAAAABAAAAAAAAAAMAAAAEAAAAAAAAAAAAAAAAAAAAAAAAAAeAAAAaAAAAAAAAAAAAAAAAAAAAAAAAAAAAAAAECcAABAnAAAAAAAAAAAAAAAAAAAAAAAAAAAAAAAAAAAAAAAAAAAAABQAAAAAAAAAwMD/AAAAAABkAAAAMgAAAAAAAABkAAAAAAAAAH9/fwAKAAAAHwAAAFQAAAAAAAAFAAAAAQAAAAAAAAAAAAAAAAAAAAAAAAAAAAAAAAAAAAAAAAAAAAAAAn9/fwAAAAADzMzMAMDA/wB/f38AAAAAAAAAAAAAAAAAAAAAAAAAAAAhAAAAGAAAABQAAADQAgAAGycAAPAPAABZKQAAEAAAACYAAAAIAAAA//////////8="/>
+                <pr:smNativeData xmlns:pr="smNativeData" val="SMDATA_13_Zg2zYxMAAAAlAAAAZAAAAA8BAAAAkAAAAEgAAACQAAAASAAAAAAAAAABAAAAAAAAAAEAAABQAAAAAAAAAAAA4D8AAAAAAADgPwAAAAAAAOA/AAAAAAAA4D8AAAAAAADgPwAAAAAAAOA/AAAAAAAA4D8AAAAAAADgPwAAAAAAAOA/AAAAAAAA4D8CAAAAjAAAAAAAAAAAAAAAu+DjDP///wgAAAAAAAAAAAAAAAAAAAAAAAAAAAAAAAAAAAAAZAAAAAEAAABAAAAAAAAAAAAAAAAAAAAAAAAAAAAAAAAAAAAAAAAAAAAAAAAAAAAAAAAAAAAAAAAAAAAAAAAAAAAAAAAAAAAAAAAAAAAAAAAAAAAAAAAAAAAAAAAAAAAAFAAAADwAAAAAAAAAAAAAAAAAAAkUAAAAAQAAABQAAAAUAAAAFAAAAAEAAAAAAAAAZAAAAGQAAAAAAAAAZAAAAGQAAAAVAAAAYAAAAAAAAAAAAAAADwAAACADAAAAAAAAAAAAAAEAAACgMgAAVgcAAKr4//8BAAAAf39/AAEAAABkAAAAAAAAABQAAABAHwAAAAAAACYAAAAAAAAAwOD//wAAAAAmAAAAZAAAABYAAABMAAAAAAAAAAAAAAAEAAAAAAAAAAEAAACAgIAKAAAAACgAAAAoAAAAZAAAAGQAAAAAAAAAzMzMAAAAAABQAAAAUAAAAGQAAABkAAAAAAAAABcAAAAUAAAAAAAAAAAAAAD/fwAA/38AAAAAAAAJAAAABAAAAAAAAAAMAAAAEAAAAAAAAAAAAAAAAAAAAAAAAAAeAAAAaAAAAAAAAAAAAAAAAAAAAAAAAAAAAAAAECcAABAnAAAAAAAAAAAAAAAAAAAAAAAAAAAAAAAAAAAAAAAAAAAAABQAAAAAAAAAwMD/AAAAAABkAAAAMgAAAAAAAABkAAAAAAAAAH9/fwAKAAAAHwAAAFQAAAAAAAAFAAAAAQAAAAAAAAAAAAAAAAAAAAAAAAAAAAAAAAAAAAAAAAAAAAAAAn9/fwAAAAADzMzMAMDA/wB/f38AAAAAAAAAAAAAAAAAAAAAAAAAAAAhAAAAGAAAABQAAADQAgAAGycAAPAPAABZKQAAEAAAACYAAAAIAAAA//////////8="/>
               </a:ext>
             </a:extLst>
           </p:cNvSpPr>
@@ -2926,7 +2927,7 @@
           </a:lstStyle>
           <a:p>
             <a:pPr/>
-            <a:fld id="{0608E10E-40EB-5D17-A5B0-B642AFFE53E3}" type="datetime1">
+            <a:fld id="{03A9A60B-45EE-FC50-A011-B305E85F56E6}" type="datetime1">
               <a:t/>
             </a:fld>
           </a:p>
@@ -2939,7 +2940,7 @@
             <a:spLocks noGrp="1" noChangeArrowheads="1"/>
             <a:extLst>
               <a:ext uri="smNativeData">
-                <pr:smNativeData xmlns:pr="smNativeData" val="SMDATA_13_4y+yYxMAAAAlAAAAZAAAAA8BAAAAkAAAAEgAAACQAAAASAAAAAAAAAABAAAAAAAAAAEAAABQAAAAAAAAAAAA4D8AAAAAAADgPwAAAAAAAOA/AAAAAAAA4D8AAAAAAADgPwAAAAAAAOA/AAAAAAAA4D8AAAAAAADgPwAAAAAAAOA/AAAAAAAA4D8CAAAAjAAAAAAAAAAAAAAAu+DjDP///wgAAAAAAAAAAAAAAAAAAAAAAAAAAAAAAAAAAAAAZAAAAAEAAABAAAAAAAAAAAAAAAAAAAAAAAAAAAAAAAAAAAAAAAAAAAAAAAAAAAAAAAAAAAAAAAAAAAAAAAAAAAAAAAAAAAAAAAAAAAAAAAAAAAAAAAAAAAAAAAAAAAAAFAAAADwAAAAAAAAAAAAAAAAAAAkUAAAAAQAAABQAAAAUAAAAFAAAAAEAAAAAAAAAZAAAAGQAAAAAAAAAZAAAAGQAAAAVAAAAYAAAAAAAAAAAAAAADwAAACADAAAAAAAAAAAAAAEAAACgMgAAVgcAAKr4//8BAAAAf39/AAEAAABkAAAAAAAAABQAAABAHwAAAAAAACYAAAAAAAAAwOD//wAAAAAmAAAAZAAAABYAAABMAAAAAAAAAAAAAAAEAAAAAAAAAAEAAACAgIAKAAAAACgAAAAoAAAAZAAAAGQAAAAAAAAAzMzMAAAAAABQAAAAUAAAAGQAAABkAAAAAAAAABcAAAAUAAAAAAAAAAAAAAD/fwAA/38AAAAAAAAJAAAABAAAAAAAAAAMAAAAEAAAAAAAAAAAAAAAAAAAAAAAAAAeAAAAaAAAAAAAAAAAAAAAAAAAAAAAAAAAAAAAECcAABAnAAAAAAAAAAAAAAAAAAAAAAAAAAAAAAAAAAAAAAAAAAAAABQAAAAAAAAAwMD/AAAAAABkAAAAMgAAAAAAAABkAAAAAAAAAH9/fwAKAAAAHwAAAFQAAAAAAAAFAAAAAQAAAAAAAAAAAAAAAAAAAAAAAAAAAAAAAAAAAAAAAAAAAAAAAn9/fwAAAAADzMzMAMDA/wB/f38AAAAAAAAAAAAAAAAAAAAAAAAAAAAhAAAAGAAAABQAAAA4EwAAGycAAAglAABZKQAAEAAAACYAAAAIAAAA//////////8="/>
+                <pr:smNativeData xmlns:pr="smNativeData" val="SMDATA_13_Zg2zYxMAAAAlAAAAZAAAAA8BAAAAkAAAAEgAAACQAAAASAAAAAAAAAABAAAAAAAAAAEAAABQAAAAAAAAAAAA4D8AAAAAAADgPwAAAAAAAOA/AAAAAAAA4D8AAAAAAADgPwAAAAAAAOA/AAAAAAAA4D8AAAAAAADgPwAAAAAAAOA/AAAAAAAA4D8CAAAAjAAAAAAAAAAAAAAAu+DjDP///wgAAAAAAAAAAAAAAAAAAAAAAAAAAAAAAAAAAAAAZAAAAAEAAABAAAAAAAAAAAAAAAAAAAAAAAAAAAAAAAAAAAAAAAAAAAAAAAAAAAAAAAAAAAAAAAAAAAAAAAAAAAAAAAAAAAAAAAAAAAAAAAAAAAAAAAAAAAAAAAAAAAAAFAAAADwAAAAAAAAAAAAAAAAAAAkUAAAAAQAAABQAAAAUAAAAFAAAAAEAAAAAAAAAZAAAAGQAAAAAAAAAZAAAAGQAAAAVAAAAYAAAAAAAAAAAAAAADwAAACADAAAAAAAAAAAAAAEAAACgMgAAVgcAAKr4//8BAAAAf39/AAEAAABkAAAAAAAAABQAAABAHwAAAAAAACYAAAAAAAAAwOD//wAAAAAmAAAAZAAAABYAAABMAAAAAAAAAAAAAAAEAAAAAAAAAAEAAACAgIAKAAAAACgAAAAoAAAAZAAAAGQAAAAAAAAAzMzMAAAAAABQAAAAUAAAAGQAAABkAAAAAAAAABcAAAAUAAAAAAAAAAAAAAD/fwAA/38AAAAAAAAJAAAABAAAAAAAAAAMAAAAEAAAAAAAAAAAAAAAAAAAAAAAAAAeAAAAaAAAAAAAAAAAAAAAAAAAAAAAAAAAAAAAECcAABAnAAAAAAAAAAAAAAAAAAAAAAAAAAAAAAAAAAAAAAAAAAAAABQAAAAAAAAAwMD/AAAAAABkAAAAMgAAAAAAAABkAAAAAAAAAH9/fwAKAAAAHwAAAFQAAAAAAAAFAAAAAQAAAAAAAAAAAAAAAAAAAAAAAAAAAAAAAAAAAAAAAAAAAAAAAn9/fwAAAAADzMzMAMDA/wB/f38AAAAAAAAAAAAAAAAAAAAAAAAAAAAhAAAAGAAAABQAAAA4EwAAGycAAAglAABZKQAAEAAAACYAAAAIAAAA//////////8="/>
               </a:ext>
             </a:extLst>
           </p:cNvSpPr>
@@ -2984,7 +2985,7 @@
             <a:spLocks noGrp="1" noChangeArrowheads="1"/>
             <a:extLst>
               <a:ext uri="smNativeData">
-                <pr:smNativeData xmlns:pr="smNativeData" val="SMDATA_13_4y+yYxMAAAAlAAAAZAAAAA8BAAAAkAAAAEgAAACQAAAASAAAAAAAAAABAAAAAAAAAAEAAABQAAAAAAAAAAAA4D8AAAAAAADgPwAAAAAAAOA/AAAAAAAA4D8AAAAAAADgPwAAAAAAAOA/AAAAAAAA4D8AAAAAAADgPwAAAAAAAOA/AAAAAAAA4D8CAAAAjAAAAAAAAAAAAAAAu+DjDP///wgAAAAAAAAAAAAAAAAAAAAAAAAAAAAAAAAAAAAAZAAAAAEAAABAAAAAAAAAAAAAAAAAAAAAAAAAAAAAAAAAAAAAAAAAAAAAAAAAAAAAAAAAAAAAAAAAAAAAAAAAAAAAAAAAAAAAAAAAAAAAAAAAAAAAAAAAAAAAAAAAAAAAFAAAADwAAAAAAAAAAAAAAAAAAAkUAAAAAQAAABQAAAAUAAAAFAAAAAEAAAAAAAAAZAAAAGQAAAAAAAAAZAAAAGQAAAAVAAAAYAAAAAAAAAAAAAAADwAAACADAAAAAAAAAAAAAAEAAACgMgAAVgcAAKr4//8BAAAAf39/AAEAAABkAAAAAAAAABQAAABAHwAAAAAAACYAAAAAAAAAwOD//wAAAAAmAAAAZAAAABYAAABMAAAAAAAAAAAAAAAEAAAAAAAAAAEAAACAgIAKAAAAACgAAAAoAAAAZAAAAGQAAAAAAAAAzMzMAAAAAABQAAAAUAAAAGQAAABkAAAAAAAAABcAAAAUAAAAAAAAAAAAAAD/fwAA/38AAAAAAAAJAAAABAAAAAAAAAAMAAAAEAAAAAAAAAAAAAAAAAAAAAAAAAAeAAAAaAAAAAAAAAAAAAAAAAAAAAAAAAAAAAAAECcAABAnAAAAAAAAAAAAAAAAAAAAAAAAAAAAAAAAAAAAAAAAAAAAABQAAAAAAAAAwMD/AAAAAABkAAAAMgAAAAAAAABkAAAAAAAAAH9/fwAKAAAAHwAAAFQAAAAAAAAFAAAAAQAAAAAAAAAAAAAAAAAAAAAAAAAAAAAAAAAAAAAAAAAAAAAAAn9/fwAAAAADzMzMAMDA/wB/f38AAAAAAAAAAAAAAAAAAAAAAAAAAAAhAAAAGAAAABQAAABQKAAAGycAAHA1AABZKQAAEAAAACYAAAAIAAAA//////////8="/>
+                <pr:smNativeData xmlns:pr="smNativeData" val="SMDATA_13_Zg2zYxMAAAAlAAAAZAAAAA8BAAAAkAAAAEgAAACQAAAASAAAAAAAAAABAAAAAAAAAAEAAABQAAAAAAAAAAAA4D8AAAAAAADgPwAAAAAAAOA/AAAAAAAA4D8AAAAAAADgPwAAAAAAAOA/AAAAAAAA4D8AAAAAAADgPwAAAAAAAOA/AAAAAAAA4D8CAAAAjAAAAAAAAAAAAAAAu+DjDP///wgAAAAAAAAAAAAAAAAAAAAAAAAAAAAAAAAAAAAAZAAAAAEAAABAAAAAAAAAAAAAAAAAAAAAAAAAAAAAAAAAAAAAAAAAAAAAAAAAAAAAAAAAAAAAAAAAAAAAAAAAAAAAAAAAAAAAAAAAAAAAAAAAAAAAAAAAAAAAAAAAAAAAFAAAADwAAAAAAAAAAAAAAAAAAAkUAAAAAQAAABQAAAAUAAAAFAAAAAEAAAAAAAAAZAAAAGQAAAAAAAAAZAAAAGQAAAAVAAAAYAAAAAAAAAAAAAAADwAAACADAAAAAAAAAAAAAAEAAACgMgAAVgcAAKr4//8BAAAAf39/AAEAAABkAAAAAAAAABQAAABAHwAAAAAAACYAAAAAAAAAwOD//wAAAAAmAAAAZAAAABYAAABMAAAAAAAAAAAAAAAEAAAAAAAAAAEAAACAgIAKAAAAACgAAAAoAAAAZAAAAGQAAAAAAAAAzMzMAAAAAABQAAAAUAAAAGQAAABkAAAAAAAAABcAAAAUAAAAAAAAAAAAAAD/fwAA/38AAAAAAAAJAAAABAAAAAAAAAAMAAAAEAAAAAAAAAAAAAAAAAAAAAAAAAAeAAAAaAAAAAAAAAAAAAAAAAAAAAAAAAAAAAAAECcAABAnAAAAAAAAAAAAAAAAAAAAAAAAAAAAAAAAAAAAAAAAAAAAABQAAAAAAAAAwMD/AAAAAABkAAAAMgAAAAAAAABkAAAAAAAAAH9/fwAKAAAAHwAAAFQAAAAAAAAFAAAAAQAAAAAAAAAAAAAAAAAAAAAAAAAAAAAAAAAAAAAAAAAAAAAAAn9/fwAAAAADzMzMAMDA/wB/f38AAAAAAAAAAAAAAAAAAAAAAAAAAAAhAAAAGAAAABQAAABQKAAAGycAAHA1AABZKQAAEAAAACYAAAAIAAAA//////////8="/>
               </a:ext>
             </a:extLst>
           </p:cNvSpPr>
@@ -3019,7 +3020,7 @@
           </a:lstStyle>
           <a:p>
             <a:pPr/>
-            <a:fld id="{0608F195-DBEB-5D07-A5B0-2D52BFFE5378}" type="slidenum">
+            <a:fld id="{03A9B227-69EE-FC44-A011-9F11FC5F56CA}" type="slidenum">
               <a:t/>
             </a:fld>
           </a:p>
@@ -3697,7 +3698,7 @@
           <p:cNvSpPr>
             <a:extLst>
               <a:ext uri="smNativeData">
-                <pr:smNativeData xmlns:pr="smNativeData" val="SMDATA_13_4y+yYxMAAAAlAAAAZAAAAA8BAAAAkAAAAEgAAACQAAAASAAAAAAAAAAAAAAAAAAAAAEAAABQAAAAAAAAAAAA4D8AAAAAAADgPwAAAAAAAOA/AAAAAAAA4D8AAAAAAADgPwAAAAAAAOA/AAAAAAAA4D8AAAAAAADgPwAAAAAAAOA/AAAAAAAA4D8CAAAAjAAAAAEAAAAAAAAAAAAACf///wgAAAAAAAAAAAAAAAAAAAAAAAAAAAAAAAAAAAAAZAAAAAEAAABAAAAAAAAAAAAAAAAAAAAAAAAAAAAAAAAAAAAAAAAAAAAAAAAAAAAAAAAAAAAAAAAAAAAAAAAAAAAAAAAAAAAAAAAAAAAAAAAAAAAAAAAAAAAAAAAAAAAAFAAAADwAAAABAAAAAAAAAAAAAAkUAAAAAQAAABQAAAAUAAAAFAAAAAEAAAAAAAAAZAAAAGQAAAAAAAAAZAAAAGQAAAAVAAAAYAAAAAAAAAAAAAAADwAAACADAAAAAAAAAAAAAAEAAACgMgAAVgcAAKr4//8BAAAAf39/AAEAAABkAAAAAAAAABQAAABAHwAAAAAAACYAAAAAAAAAwOD//wAAAAAmAAAAZAAAABYAAABMAAAAAAAAAAAAAAAEAAAAAAAAAAEAAACAgIAKAAAAACgAAAAoAAAAZAAAAGQAAAAAAAAAzMzMAAAAAABQAAAAUAAAAGQAAABkAAAAAAAAABcAAAAUAAAAAAAAAAAAAAD/fwAA/38AAAAAAAAJAAAABAAAAAAAAAAMAAAAEAAAAAAAAAAAAAAAAAAAAAAAAAAeAAAAaAAAAAAAAAAAAAAAAAAAAAAAAAAAAAAAECcAABAnAAAAAAAAAAAAAAAAAAAAAAAAAAAAAAAAAAAAAAAAAAAAABQAAAAAAAAAwMD/AAAAAABkAAAAMgAAAAAAAABkAAAAAAAAAH9/fwAKAAAAHwAAAFQAAAAAAAAC////AQAAAAAAAAAAAAAAAAAAAAAAAAAAAAAAAAAAAAAAAAAAAAAAAn9/fwCAgIADzMzMAMDA/wB/f38AAAAAAAAAAAAAAAAAAAAAAAAAAAAhAAAAGAAAABQAAABTAQAA4wAAANEqAADlDwAAEAAAACYAAAAIAAAA//////////8="/>
+                <pr:smNativeData xmlns:pr="smNativeData" val="SMDATA_13_Zg2zYxMAAAAlAAAAZAAAAA8BAAAAkAAAAEgAAACQAAAASAAAAAAAAAAAAAAAAAAAAAEAAABQAAAAAAAAAAAA4D8AAAAAAADgPwAAAAAAAOA/AAAAAAAA4D8AAAAAAADgPwAAAAAAAOA/AAAAAAAA4D8AAAAAAADgPwAAAAAAAOA/AAAAAAAA4D8CAAAAjAAAAAEAAAAAAAAAAAAACf///wgAAAAAAAAAAAAAAAAAAAAAAAAAAAAAAAAAAAAAZAAAAAEAAABAAAAAAAAAAAAAAAAAAAAAAAAAAAAAAAAAAAAAAAAAAAAAAAAAAAAAAAAAAAAAAAAAAAAAAAAAAAAAAAAAAAAAAAAAAAAAAAAAAAAAAAAAAAAAAAAAAAAAFAAAADwAAAABAAAAAAAAAAAAAAkUAAAAAQAAABQAAAAUAAAAFAAAAAEAAAAAAAAAZAAAAGQAAAAAAAAAZAAAAGQAAAAVAAAAYAAAAAAAAAAAAAAADwAAACADAAAAAAAAAAAAAAEAAACgMgAAVgcAAKr4//8BAAAAf39/AAEAAABkAAAAAAAAABQAAABAHwAAAAAAACYAAAAAAAAAwOD//wAAAAAmAAAAZAAAABYAAABMAAAAAAAAAAAAAAAEAAAAAAAAAAEAAACAgIAKAAAAACgAAAAoAAAAZAAAAGQAAAAAAAAAzMzMAAAAAABQAAAAUAAAAGQAAABkAAAAAAAAABcAAAAUAAAAAAAAAAAAAAD/fwAA/38AAAAAAAAJAAAABAAAAAAAAAAMAAAAEAAAAAAAAAAAAAAAAAAAAAAAAAAeAAAAaAAAAAAAAAAAAAAAAAAAAAAAAAAAAAAAECcAABAnAAAAAAAAAAAAAAAAAAAAAAAAAAAAAAAAAAAAAAAAAAAAABQAAAAAAAAAwMD/AAAAAABkAAAAMgAAAAAAAABkAAAAAAAAAH9/fwAKAAAAHwAAAFQAAAAAAAAC////AQAAAAAAAAAAAAAAAAAAAAAAAAAAAAAAAAAAAAAAAAAAAAAAAn9/fwCAgIADzMzMAMDA/wB/f38AAAAAAAAAAAAAAAAAAAAAAAAAAAAhAAAAGAAAABQAAABTAQAA4wAAANEqAADlDwAAEAAAACYAAAAIAAAA//////////8="/>
               </a:ext>
             </a:extLst>
           </p:cNvSpPr>
@@ -3732,7 +3733,7 @@
             <a:picLocks noChangeAspect="1"/>
             <a:extLst>
               <a:ext uri="smNativeData">
-                <pr:smNativeData xmlns:pr="smNativeData" val="SMDATA_15_4y+yYxMAAAAlAAAAEQAAAC8BAAAAkAAAAEgAAACQAAAASAAAAAAAAAAAAAAAAAAAAAEAAABQAAAAAAAAAAAA4D8AAAAAAADgPwAAAAAAAOA/AAAAAAAA4D8AAAAAAADgPwAAAAAAAOA/AAAAAAAA4D8AAAAAAADgPwAAAAAAAOA/AAAAAAAA4D8CAAAAjAAAAAAAAAAAAAAAu+DjDP///wgAAAAAAAAAAAAAAAAAAAAAAAAAAAAAAAAAAAAAZAAAAAEAAABAAAAAAAAAAAAAAAAAAAAAAAAAAAAAAAAAAAAAAAAAAAAAAAAAAAAAAAAAAAAAAAAAAAAAAAAAAAAAAAAAAAAAAAAAAAAAAAAAAAAAAAAAAAAAAAAAAAAAFAAAADwAAAAAAAAAAAAAAAAAAAkUAAAAAQAAABQAAAAUAAAAFAAAAAEAAAAAAAAAZAAAAGQAAAAAAAAAZAAAAGQAAAAVAAAAYAAAAAAAAAAAAAAADwAAACADAAAAAAAAAAAAAAEAAACgMgAAVgcAAKr4//8BAAAAf39/AAEAAABkAAAAAAAAABQAAABAHwAAAAAAACYAAAAAAAAAwOD//wAAAAAmAAAAZAAAABYAAABMAAAAAAAAAAAAAAAEAAAAAAAAAAEAAACAgIAKAAAAACgAAAAoAAAAZAAAAGQAAAAAAAAAzMzMAAAAAABQAAAAUAAAAGQAAABkAAAAAAAAAAcAAAA4AAAAAAAAAAAAAAAAAAAA////AAAAAAAAAAAAAAAAAAAAAAAAAAAAAAAAAAAAAABkAAAAZAAAAAAAAAAjAAAABAAAAGQAAAAXAAAAFAAAAAAAAAAAAAAA/38AAP9/AAAAAAAACQAAAAQAAAAAAAAADAAAABAAAAAAAAAAAAAAAAAAAAAAAAAAHgAAAGgAAAAAAAAAAAAAAAAAAAAAAAAAAAAAABAnAAAQJwAAAAAAAAAAAAAAAAAAAAAAAAAAAAAAAAAAAAAAAAAAAAAUAAAAAAAAAMDA/wAAAAAAZAAAADIAAAAAAAAAZAAAAAAAAAB/f38ACgAAAB8AAABUAAAAu+DjBf///wEAAAAAAAAAAAAAAAAAAAAAAAAAAAAAAAAAAAAAAAAAAAAAAAJ/f38AgICAA8zMzADAwP8Af39/AAAAAAAAAAAAAAAAAP///wAAAAAAIQAAABgAAAAUAAAA3gsAAFUBAAAsIAAA5w4AABAAAAAmAAAACAAAAP//////////"/>
+                <pr:smNativeData xmlns:pr="smNativeData" val="SMDATA_15_Zg2zYxMAAAAlAAAAEQAAAC8BAAAAkAAAAEgAAACQAAAASAAAAAAAAAAAAAAAAAAAAAEAAABQAAAAAAAAAAAA4D8AAAAAAADgPwAAAAAAAOA/AAAAAAAA4D8AAAAAAADgPwAAAAAAAOA/AAAAAAAA4D8AAAAAAADgPwAAAAAAAOA/AAAAAAAA4D8CAAAAjAAAAAAAAAAAAAAAu+DjDP///wgAAAAAAAAAAAAAAAAAAAAAAAAAAAAAAAAAAAAAZAAAAAEAAABAAAAAAAAAAAAAAAAAAAAAAAAAAAAAAAAAAAAAAAAAAAAAAAAAAAAAAAAAAAAAAAAAAAAAAAAAAAAAAAAAAAAAAAAAAAAAAAAAAAAAAAAAAAAAAAAAAAAAFAAAADwAAAAAAAAAAAAAAAAAAAkUAAAAAQAAABQAAAAUAAAAFAAAAAEAAAAAAAAAZAAAAGQAAAAAAAAAZAAAAGQAAAAVAAAAYAAAAAAAAAAAAAAADwAAACADAAAAAAAAAAAAAAEAAACgMgAAVgcAAKr4//8BAAAAf39/AAEAAABkAAAAAAAAABQAAABAHwAAAAAAACYAAAAAAAAAwOD//wAAAAAmAAAAZAAAABYAAABMAAAAAAAAAAAAAAAEAAAAAAAAAAEAAACAgIAKAAAAACgAAAAoAAAAZAAAAGQAAAAAAAAAzMzMAAAAAABQAAAAUAAAAGQAAABkAAAAAAAAAAcAAAA4AAAAAAAAAAAAAAAAAAAA////AAAAAAAAAAAAAAAAAAAAAAAAAAAAAAAAAAAAAABkAAAAZAAAAAAAAAAjAAAABAAAAGQAAAAXAAAAFAAAAAAAAAAAAAAA/38AAP9/AAAAAAAACQAAAAQAAAAAAAAADAAAABAAAAAAAAAAAAAAAAAAAAAAAAAAHgAAAGgAAAAAAAAAAAAAAAAAAAAAAAAAAAAAABAnAAAQJwAAAAAAAAAAAAAAAAAAAAAAAAAAAAAAAAAAAAAAAAAAAAAUAAAAAAAAAMDA/wAAAAAAZAAAADIAAAAAAAAAZAAAAAAAAAB/f38ACgAAAB8AAABUAAAAu+DjBf///wEAAAAAAAAAAAAAAAAAAAAAAAAAAAAAAAAAAAAAAAAAAAAAAAJ/f38AgICAA8zMzADAwP8Af39/AAAAAAAAAAAAAAAAAP///wAAAAAAIQAAABgAAAAUAAAA3gsAAFUBAAAsIAAA5w4AABAAAAAmAAAACAAAAP//////////"/>
               </a:ext>
             </a:extLst>
           </p:cNvPicPr>
@@ -3766,7 +3767,7 @@
             <a:picLocks noChangeAspect="1"/>
             <a:extLst>
               <a:ext uri="smNativeData">
-                <pr:smNativeData xmlns:pr="smNativeData" val="SMDATA_15_4y+yYxMAAAAlAAAAEQAAAC8BAAAAkAAAAEgAAACQAAAASAAAAAAAAAAAAAAAAAAAAAEAAABQAAAAAAAAAAAA4D8AAAAAAADgPwAAAAAAAOA/AAAAAAAA4D8AAAAAAADgPwAAAAAAAOA/AAAAAAAA4D8AAAAAAADgPwAAAAAAAOA/AAAAAAAA4D8CAAAAjAAAAAAAAAAAAAAAu+DjDP///wgAAAAAAAAAAAAAAAAAAAAAAAAAAAAAAAAAAAAAZAAAAAEAAABAAAAAAAAAAAAAAAAAAAAAAAAAAAAAAAAAAAAAAAAAAAAAAAAAAAAAAAAAAAAAAAAAAAAAAAAAAAAAAAAAAAAAAAAAAAAAAAAAAAAAAAAAAAAAAAAAAAAAFAAAADwAAAABAAAAAAAAAAAAAAsUAAAAAQAAABQAAAAUAAAAFAAAAAEAAAAAAAAAZAAAAGQAAAAAAAAAZAAAAGQAAAAVAAAAYAAAAAAAAAAAAAAADwAAACADAAAAAAAAAAAAAAEAAACgMgAAAAAAAAAAAAABAAAAf39/AAEAAABkAAAAAAAAABQAAABAHwAAAAAAACYAAAAAAAAAwOD//wAAAAAmAAAAZAAAABYAAABMAAAAAAAAAAAAAAAEAAAAAAAAAAEAAACAgIAKAAAAACgAAAAoAAAAZAAAAGQAAAAAAAAAzMzMAAAAAABQAAAAUAAAAGQAAABkAAAAAAAAAAcAAAA4AAAAAAAAAAAAAAAAAAAA////AAAAAAAAAAAAAAAAAAAAAAAAAAAAAAAAAAAAAABkAAAAZAAAAAAAAAAjAAAABAAAAGQAAAAXAAAAFAAAAAAAAAAAAAAA/38AAP9/AAAAAAAACQAAAAQAAAAAAAAADAAAABAAAAAAAAAAAAAAAAAAAAAAAAAAHgAAAGgAAAAAAAAAAAAAAAAAAAAAAAAAAAAAABAnAAAQJwAAAAAAAAAAAAAAAAAAAAAAAAAAAAAAAAAAAAAAAAAAAAAUAAAAAAAAAMDA/wAAAAAAZAAAADIAAAAAAAAAZAAAAAAAAAB/f38ACgAAAB8AAABUAAAAu+DjBf///wEAAAAAAAAAAAAAAAAAAAAAAAAAAAAAAAAAAAAAAAAAAAAAAAR/f38AgICAA8zMzADAwP8Af39/AAAAAAAAAAAAAAAAAP///wAAAAAAIQAAABgAAAAUAAAAbQEAADkBAAB6CwAANA8AABAAAAAmAAAACAAAAP//////////"/>
+                <pr:smNativeData xmlns:pr="smNativeData" val="SMDATA_15_Zg2zYxMAAAAlAAAAEQAAAC8BAAAAkAAAAEgAAACQAAAASAAAAAAAAAAAAAAAAAAAAAEAAABQAAAAAAAAAAAA4D8AAAAAAADgPwAAAAAAAOA/AAAAAAAA4D8AAAAAAADgPwAAAAAAAOA/AAAAAAAA4D8AAAAAAADgPwAAAAAAAOA/AAAAAAAA4D8CAAAAjAAAAAAAAAAAAAAAu+DjDP///wgAAAAAAAAAAAAAAAAAAAAAAAAAAAAAAAAAAAAAZAAAAAEAAABAAAAAAAAAAAAAAAAAAAAAAAAAAAAAAAAAAAAAAAAAAAAAAAAAAAAAAAAAAAAAAAAAAAAAAAAAAAAAAAAAAAAAAAAAAAAAAAAAAAAAAAAAAAAAAAAAAAAAFAAAADwAAAABAAAAAAAAAAAAAAsUAAAAAQAAABQAAAAUAAAAFAAAAAEAAAAAAAAAZAAAAGQAAAAAAAAAZAAAAGQAAAAVAAAAYAAAAAAAAAAAAAAADwAAACADAAAAAAAAAAAAAAEAAACgMgAAAAAAAAAAAAABAAAAf39/AAEAAABkAAAAAAAAABQAAABAHwAAAAAAACYAAAAAAAAAwOD//wAAAAAmAAAAZAAAABYAAABMAAAAAAAAAAAAAAAEAAAAAAAAAAEAAACAgIAKAAAAACgAAAAoAAAAZAAAAGQAAAAAAAAAzMzMAAAAAABQAAAAUAAAAGQAAABkAAAAAAAAAAcAAAA4AAAAAAAAAAAAAAAAAAAA////AAAAAAAAAAAAAAAAAAAAAAAAAAAAAAAAAAAAAABkAAAAZAAAAAAAAAAjAAAABAAAAGQAAAAXAAAAFAAAAAAAAAAAAAAA/38AAP9/AAAAAAAACQAAAAQAAAAAAAAADAAAABAAAAAAAAAAAAAAAAAAAAAAAAAAHgAAAGgAAAAAAAAAAAAAAAAAAAAAAAAAAAAAABAnAAAQJwAAAAAAAAAAAAAAAAAAAAAAAAAAAAAAAAAAAAAAAAAAAAAUAAAAAAAAAMDA/wAAAAAAZAAAADIAAAAAAAAAZAAAAAAAAAB/f38ACgAAAB8AAABUAAAAu+DjBf///wEAAAAAAAAAAAAAAAAAAAAAAAAAAAAAAAAAAAAAAAAAAAAAAAR/f38AgICAA8zMzADAwP8Af39/AAAAAAAAAAAAAAAAAP///wAAAAAAIQAAABgAAAAUAAAAbQEAADkBAAB6CwAANA8AABAAAAAmAAAACAAAAP//////////"/>
               </a:ext>
             </a:extLst>
           </p:cNvPicPr>
@@ -3805,7 +3806,7 @@
             <a:picLocks noChangeAspect="1"/>
             <a:extLst>
               <a:ext uri="smNativeData">
-                <pr:smNativeData xmlns:pr="smNativeData" val="SMDATA_15_4y+yYxMAAAAlAAAAEQAAAC8BAAAAkAAAAEgAAACQAAAASAAAAAAAAAAAAAAAAAAAAAEAAABQAAAAAAAAAAAA4D8AAAAAAADgPwAAAAAAAOA/AAAAAAAA4D8AAAAAAADgPwAAAAAAAOA/AAAAAAAA4D8AAAAAAADgPwAAAAAAAOA/AAAAAAAA4D8CAAAAjAAAAAAAAAAAAAAAu+DjDP///wgAAAAAAAAAAAAAAAAAAAAAAAAAAAAAAAAAAAAAZAAAAAEAAABAAAAAAAAAAAAAAAAAAAAAAAAAAAAAAAAAAAAAAAAAAAAAAAAAAAAAAAAAAAAAAAAAAAAAAAAAAAAAAAAAAAAAAAAAAAAAAAAAAAAAAAAAAAAAAAAAAAAAFAAAADwAAAAAAAAAAAAAAAAAAAkUAAAAAQAAABQAAAAUAAAAFAAAAAEAAAAAAAAAZAAAAGQAAAAAAAAAZAAAAGQAAAAVAAAAYAAAAAAAAAAAAAAADwAAACADAAAAAAAAAAAAAAEAAACgMgAAVgcAAKr4//8BAAAAf39/AAEAAABkAAAAAAAAABQAAABAHwAAAAAAACYAAAAAAAAAwOD//wAAAAAmAAAAZAAAABYAAABMAAAAAAAAAAAAAAAEAAAAAAAAAAEAAACAgIAKAAAAACgAAAAoAAAAZAAAAGQAAAAAAAAAzMzMAAAAAABQAAAAUAAAAGQAAABkAAAAAAAAAAcAAAA4AAAAAAAAAAAAAAAAAAAA////AAAAAAAAAAAAAAAAAAAAAAAAAAAAAAAAAAAAAABkAAAAZAAAAAAAAAAjAAAABAAAAGQAAAAXAAAAFAAAAAAAAAAAAAAA/38AAP9/AAAAAAAACQAAAAQAAACcxxIMDAAAABAAAAAAAAAAAAAAAAAAAAAAAAAAHgAAAGgAAAAAAAAAAAAAAAAAAAAAAAAAAAAAABAnAAAQJwAAAAAAAAAAAAAAAAAAAAAAAAAAAAAAAAAAAAAAAAAAAAAUAAAAAAAAAMDA/wAAAAAAZAAAADIAAAAAAAAAZAAAAAAAAAB/f38ACgAAAB8AAABUAAAAu+DjBf///wEAAAAAAAAAAAAAAAAAAAAAAAAAAAAAAAAAAAAAAAAAAAAAAAJ/f38AgICAA8zMzADAwP8Af39/AAAAAAAAAAAAAAAAAP///wAAAAAAIQAAABgAAAAUAAAAOSAAAAYBAABtKgAA0A4AABAAAAAmAAAACAAAAP//////////"/>
+                <pr:smNativeData xmlns:pr="smNativeData" val="SMDATA_15_Zg2zYxMAAAAlAAAAEQAAAC8BAAAAkAAAAEgAAACQAAAASAAAAAAAAAAAAAAAAAAAAAEAAABQAAAAAAAAAAAA4D8AAAAAAADgPwAAAAAAAOA/AAAAAAAA4D8AAAAAAADgPwAAAAAAAOA/AAAAAAAA4D8AAAAAAADgPwAAAAAAAOA/AAAAAAAA4D8CAAAAjAAAAAAAAAAAAAAAu+DjDP///wgAAAAAAAAAAAAAAAAAAAAAAAAAAAAAAAAAAAAAZAAAAAEAAABAAAAAAAAAAAAAAAAAAAAAAAAAAAAAAAAAAAAAAAAAAAAAAAAAAAAAAAAAAAAAAAAAAAAAAAAAAAAAAAAAAAAAAAAAAAAAAAAAAAAAAAAAAAAAAAAAAAAAFAAAADwAAAAAAAAAAAAAAAAAAAkUAAAAAQAAABQAAAAUAAAAFAAAAAEAAAAAAAAAZAAAAGQAAAAAAAAAZAAAAGQAAAAVAAAAYAAAAAAAAAAAAAAADwAAACADAAAAAAAAAAAAAAEAAACgMgAAVgcAAKr4//8BAAAAf39/AAEAAABkAAAAAAAAABQAAABAHwAAAAAAACYAAAAAAAAAwOD//wAAAAAmAAAAZAAAABYAAABMAAAAAAAAAAAAAAAEAAAAAAAAAAEAAACAgIAKAAAAACgAAAAoAAAAZAAAAGQAAAAAAAAAzMzMAAAAAABQAAAAUAAAAGQAAABkAAAAAAAAAAcAAAA4AAAAAAAAAAAAAAAAAAAA////AAAAAAAAAAAAAAAAAAAAAAAAAAAAAAAAAAAAAABkAAAAZAAAAAAAAAAjAAAABAAAAGQAAAAXAAAAFAAAAAAAAAAAAAAA/38AAP9/AAAAAAAACQAAAAQAAACcxxIMDAAAABAAAAAAAAAAAAAAAAAAAAAAAAAAHgAAAGgAAAAAAAAAAAAAAAAAAAAAAAAAAAAAABAnAAAQJwAAAAAAAAAAAAAAAAAAAAAAAAAAAAAAAAAAAAAAAAAAAAAUAAAAAAAAAMDA/wAAAAAAZAAAADIAAAAAAAAAZAAAAAAAAAB/f38ACgAAAB8AAABUAAAAu+DjBf///wEAAAAAAAAAAAAAAAAAAAAAAAAAAAAAAAAAAAAAAAAAAAAAAAJ/f38AgICAA8zMzADAwP8Af39/AAAAAAAAAAAAAAAAAP///wAAAAAAIQAAABgAAAAUAAAAOSAAAAYBAABtKgAA0A4AABAAAAAmAAAACAAAAP//////////"/>
               </a:ext>
             </a:extLst>
           </p:cNvPicPr>
@@ -3871,7 +3872,7 @@
             <a:picLocks noChangeAspect="1"/>
             <a:extLst>
               <a:ext uri="smNativeData">
-                <pr:smNativeData xmlns:pr="smNativeData" val="SMDATA_15_4y+yYxMAAAAlAAAAEQAAAC8BAAAAkAAAAEgAAACQAAAASAAAAAAAAAAAAAAAAAAAAAEAAABQAAAAAAAAAAAA4D8AAAAAAADgPwAAAAAAAOA/AAAAAAAA4D8AAAAAAADgPwAAAAAAAOA/AAAAAAAA4D8AAAAAAADgPwAAAAAAAOA/AAAAAAAA4D8CAAAAjAAAAAAAAAAAAAAAu+DjDP///wgAAAAAAAAAAAAAAAAAAAAAAAAAAAAAAAAAAAAAZAAAAAEAAABAAAAAAAAAAAAAAAAAAAAAAAAAAAAAAAAAAAAAAAAAAAAAAAAAAAAAAAAAAAAAAAAAAAAAAAAAAAAAAAAAAAAAAAAAAAAAAAAAAAAAAAAAAAAAAAAAAAAAFAAAADwAAAAAAAAAAAAAAAAAAAkUAAAAAQAAABQAAAAUAAAAFAAAAAEAAAAAAAAAZAAAAGQAAAAAAAAAZAAAAGQAAAAVAAAAYAAAAAAAAAAAAAAADwAAACADAAAAAAAAAAAAAAEAAACgMgAAVgcAAKr4//8BAAAAf39/AAEAAABkAAAAAAAAABQAAABAHwAAAAAAACYAAAAAAAAAwOD//wAAAAAmAAAAZAAAABYAAABMAAAAAAAAAAAAAAAEAAAAAAAAAAEAAACAgIAKAAAAACgAAAAoAAAAZAAAAGQAAAAAAAAAzMzMAAAAAABQAAAAUAAAAGQAAABkAAAAAAAAAAcAAAA4AAAAAAAAAAAAAAAAAAAA////AAAAAAAAAAAAAAAAAAAAAAAAAAAAAAAAAAAAAABkAAAAZAAAAAAAAAAjAAAABAAAAGQAAAAXAAAAFAAAAAAAAAAAAAAA/38AAP9/AAAAAAAACQAAAAQAAAD/////DAAAABAAAAAAAAAAAAAAAAAAAAAAAAAAHgAAAGgAAAAAAAAAAAAAAAAAAAAAAAAAAAAAABAnAAAQJwAAAAAAAAAAAAAAAAAAAAAAAAAAAAAAAAAAAAAAAAAAAAAUAAAAAAAAAMDA/wAAAAAAZAAAADIAAAAAAAAAZAAAAAAAAAB/f38ACgAAAB8AAABUAAAAu+DjBf///wEAAAAAAAAAAAAAAAAAAAAAAAAAAAAAAAAAAAAAAAAAAAAAAAJ/f38AgICAA8zMzADAwP8Af39/AAAAAAAAAAAAAAAAAP///wAAAAAAIQAAABgAAAAUAAAAKg0AAAIPAABHGAAAUxkAABAAAAAmAAAACAAAAP//////////"/>
+                <pr:smNativeData xmlns:pr="smNativeData" val="SMDATA_15_Zg2zYxMAAAAlAAAAEQAAAC8BAAAAkAAAAEgAAACQAAAASAAAAAAAAAAAAAAAAAAAAAEAAABQAAAAAAAAAAAA4D8AAAAAAADgPwAAAAAAAOA/AAAAAAAA4D8AAAAAAADgPwAAAAAAAOA/AAAAAAAA4D8AAAAAAADgPwAAAAAAAOA/AAAAAAAA4D8CAAAAjAAAAAAAAAAAAAAAu+DjDP///wgAAAAAAAAAAAAAAAAAAAAAAAAAAAAAAAAAAAAAZAAAAAEAAABAAAAAAAAAAAAAAAAAAAAAAAAAAAAAAAAAAAAAAAAAAAAAAAAAAAAAAAAAAAAAAAAAAAAAAAAAAAAAAAAAAAAAAAAAAAAAAAAAAAAAAAAAAAAAAAAAAAAAFAAAADwAAAAAAAAAAAAAAAAAAAkUAAAAAQAAABQAAAAUAAAAFAAAAAEAAAAAAAAAZAAAAGQAAAAAAAAAZAAAAGQAAAAVAAAAYAAAAAAAAAAAAAAADwAAACADAAAAAAAAAAAAAAEAAACgMgAAVgcAAKr4//8BAAAAf39/AAEAAABkAAAAAAAAABQAAABAHwAAAAAAACYAAAAAAAAAwOD//wAAAAAmAAAAZAAAABYAAABMAAAAAAAAAAAAAAAEAAAAAAAAAAEAAACAgIAKAAAAACgAAAAoAAAAZAAAAGQAAAAAAAAAzMzMAAAAAABQAAAAUAAAAGQAAABkAAAAAAAAAAcAAAA4AAAAAAAAAAAAAAAAAAAA////AAAAAAAAAAAAAAAAAAAAAAAAAAAAAAAAAAAAAABkAAAAZAAAAAAAAAAjAAAABAAAAGQAAAAXAAAAFAAAAAAAAAAAAAAA/38AAP9/AAAAAAAACQAAAAQAAAAAAAAADAAAABAAAAAAAAAAAAAAAAAAAAAAAAAAHgAAAGgAAAAAAAAAAAAAAAAAAAAAAAAAAAAAABAnAAAQJwAAAAAAAAAAAAAAAAAAAAAAAAAAAAAAAAAAAAAAAAAAAAAUAAAAAAAAAMDA/wAAAAAAZAAAADIAAAAAAAAAZAAAAAAAAAB/f38ACgAAAB8AAABUAAAAu+DjBf///wEAAAAAAAAAAAAAAAAAAAAAAAAAAAAAAAAAAAAAAAAAAAAAAAJ/f38AgICAA8zMzADAwP8Af39/AAAAAAAAAAAAAAAAAP///wAAAAAAIQAAABgAAAAUAAAAFwMAABcDAACxNAAAihIAAAAAAAAmAAAACAAAAP//////////"/>
               </a:ext>
             </a:extLst>
           </p:cNvPicPr>
@@ -3885,76 +3886,8 @@
         </p:blipFill>
         <p:spPr>
           <a:xfrm>
-            <a:off x="2139950" y="2439670"/>
-            <a:ext cx="1806575" cy="1677035"/>
-          </a:xfrm>
-          <a:prstGeom prst="rect">
-            <a:avLst/>
-          </a:prstGeom>
-          <a:noFill/>
-          <a:ln>
-            <a:noFill/>
-          </a:ln>
-          <a:effectLst/>
-        </p:spPr>
-      </p:pic>
-      <p:pic>
-        <p:nvPicPr>
-          <p:cNvPr id="3" name="Picture2"/>
-          <p:cNvPicPr>
-            <a:picLocks noChangeAspect="1"/>
-            <a:extLst>
-              <a:ext uri="smNativeData">
-                <pr:smNativeData xmlns:pr="smNativeData" val="SMDATA_15_4y+yYxMAAAAlAAAAEQAAAC8BAAAAkAAAAEgAAACQAAAASAAAAAAAAAAAAAAAAAAAAAEAAABQAAAAAAAAAAAA4D8AAAAAAADgPwAAAAAAAOA/AAAAAAAA4D8AAAAAAADgPwAAAAAAAOA/AAAAAAAA4D8AAAAAAADgPwAAAAAAAOA/AAAAAAAA4D8CAAAAjAAAAAAAAAAAAAAAu+DjDP///wgAAAAAAAAAAAAAAAAAAAAAAAAAAAAAAAAAAAAAZAAAAAEAAABAAAAAAAAAAAAAAAAAAAAAAAAAAAAAAAAAAAAAAAAAAAAAAAAAAAAAAAAAAAAAAAAAAAAAAAAAAAAAAAAAAAAAAAAAAAAAAAAAAAAAAAAAAAAAAAAAAAAAFAAAADwAAAAAAAAAAAAAAAAAAAkUAAAAAQAAABQAAAAUAAAAFAAAAAEAAAAAAAAAZAAAAGQAAAAAAAAAZAAAAGQAAAAVAAAAYAAAAAAAAAAAAAAADwAAACADAAAAAAAAAAAAAAEAAACgMgAAVgcAAKr4//8BAAAAf39/AAEAAABkAAAAAAAAABQAAABAHwAAAAAAACYAAAAAAAAAwOD//wAAAAAmAAAAZAAAABYAAABMAAAAAAAAAAAAAAAEAAAAAAAAAAEAAACAgIAKAAAAACgAAAAoAAAAZAAAAGQAAAAAAAAAzMzMAAAAAABQAAAAUAAAAGQAAABkAAAAAAAAAAcAAAA4AAAAAAAAAAAAAAAAAAAA////AAAAAAAAAAAAAAAAAAAAAAAAAAAAAAAAAAAAAABkAAAAZAAAAAAAAAAjAAAABAAAAGQAAAAXAAAAFAAAAAAAAAAAAAAA/38AAP9/AAAAAAAACQAAAAQAAAC6AgAADAAAABAAAAAAAAAAAAAAAAAAAAAAAAAAHgAAAGgAAAAAAAAAAAAAAAAAAAAAAAAAAAAAABAnAAAQJwAAAAAAAAAAAAAAAAAAAAAAAAAAAAAAAAAAAAAAAAAAAAAUAAAAAAAAAMDA/wAAAAAAZAAAADIAAAAAAAAAZAAAAAAAAAB/f38ACgAAAB8AAABUAAAAu+DjBf///wEAAAAAAAAAAAAAAAAAAAAAAAAAAAAAAAAAAAAAAAAAAAAAAAJ/f38AgICAA8zMzADAwP8Af39/AAAAAAAAAAAAAAAAAP///wAAAAAAIQAAABgAAAAUAAAAVRgAAAIPAAAEIwAAKRkAABAAAAAmAAAACAAAAP//////////"/>
-              </a:ext>
-            </a:extLst>
-          </p:cNvPicPr>
-          <p:nvPr/>
-        </p:nvPicPr>
-        <p:blipFill>
-          <a:blip r:embed="rId3"/>
-          <a:stretch>
-            <a:fillRect/>
-          </a:stretch>
-        </p:blipFill>
-        <p:spPr>
-          <a:xfrm>
-            <a:off x="3955415" y="2439670"/>
-            <a:ext cx="1736725" cy="1650365"/>
-          </a:xfrm>
-          <a:prstGeom prst="rect">
-            <a:avLst/>
-          </a:prstGeom>
-          <a:noFill/>
-          <a:ln>
-            <a:noFill/>
-          </a:ln>
-          <a:effectLst/>
-        </p:spPr>
-      </p:pic>
-      <p:pic>
-        <p:nvPicPr>
-          <p:cNvPr id="4" name="Picture3"/>
-          <p:cNvPicPr>
-            <a:picLocks noChangeAspect="1"/>
-            <a:extLst>
-              <a:ext uri="smNativeData">
-                <pr:smNativeData xmlns:pr="smNativeData" val="SMDATA_15_4y+yYxMAAAAlAAAAEQAAAC8BAAAAkAAAAEgAAACQAAAASAAAAAAAAAAAAAAAAAAAAAEAAABQAAAAAAAAAAAA4D8AAAAAAADgPwAAAAAAAOA/AAAAAAAA4D8AAAAAAADgPwAAAAAAAOA/AAAAAAAA4D8AAAAAAADgPwAAAAAAAOA/AAAAAAAA4D8CAAAAjAAAAAAAAAAAAAAAu+DjDP///wgAAAAAAAAAAAAAAAAAAAAAAAAAAAAAAAAAAAAAZAAAAAEAAABAAAAAAAAAAAAAAAAAAAAAAAAAAAAAAAAAAAAAAAAAAAAAAAAAAAAAAAAAAAAAAAAAAAAAAAAAAAAAAAAAAAAAAAAAAAAAAAAAAAAAAAAAAAAAAAAAAAAAFAAAADwAAAAAAAAAAAAAAAAAAAkUAAAAAQAAABQAAAAUAAAAFAAAAAEAAAAAAAAAZAAAAGQAAAAAAAAAZAAAAGQAAAAVAAAAYAAAAAAAAAAAAAAADwAAACADAAAAAAAAAAAAAAEAAACgMgAAVgcAAKr4//8BAAAAf39/AAEAAABkAAAAAAAAABQAAABAHwAAAAAAACYAAAAAAAAAwOD//wAAAAAmAAAAZAAAABYAAABMAAAAAAAAAAAAAAAEAAAAAAAAAAEAAACAgIAKAAAAACgAAAAoAAAAZAAAAGQAAAAAAAAAzMzMAAAAAABQAAAAUAAAAGQAAABkAAAAAAAAAAcAAAA4AAAAAAAAAAAAAAAAAAAA////AAAAAAAAAAAAAAAAAAAAAAAAAAAAAAAAAAAAAABkAAAAZAAAAAAAAAAjAAAABAAAAGQAAAAXAAAAFAAAAAAAAAAAAAAA/38AAP9/AAAAAAAACQAAAAQAAAAAAAAADAAAABAAAAAAAAAAAAAAAAAAAAAAAAAAHgAAAGgAAAAAAAAAAAAAAAAAAAAAAAAAAAAAABAnAAAQJwAAAAAAAAAAAAAAAAAAAAAAAAAAAAAAAAAAAAAAAAAAAAAUAAAAAAAAAMDA/wAAAAAAZAAAADIAAAAAAAAAZAAAAAAAAAB/f38ACgAAAB8AAABUAAAAu+DjBf///wEAAAAAAAAAAAAAAAAAAAAAAAAAAAAAAAAAAAAAAAAAAAAAAAJ/f38AgICAA8zMzADAwP8Af39/AAAAAAAAAAAAAAAAAP///wAAAAAAIQAAABgAAAAUAAAAUwEAAAIPAADODAAAKRkAABAAAAAmAAAACAAAAP//////////"/>
-              </a:ext>
-            </a:extLst>
-          </p:cNvPicPr>
-          <p:nvPr/>
-        </p:nvPicPr>
-        <p:blipFill>
-          <a:blip r:embed="rId4"/>
-          <a:stretch>
-            <a:fillRect/>
-          </a:stretch>
-        </p:blipFill>
-        <p:spPr>
-          <a:xfrm>
-            <a:off x="215265" y="2439670"/>
-            <a:ext cx="1866265" cy="1650365"/>
+            <a:off x="502285" y="502285"/>
+            <a:ext cx="8063230" cy="2511425"/>
           </a:xfrm>
           <a:prstGeom prst="rect">
             <a:avLst/>
@@ -4005,7 +3938,7 @@
             <a:picLocks noChangeAspect="1"/>
             <a:extLst>
               <a:ext uri="smNativeData">
-                <pr:smNativeData xmlns:pr="smNativeData" val="SMDATA_15_4y+yYxMAAAAlAAAAEQAAAC8BAAAAkAAAAEgAAACQAAAASAAAAAAAAAAAAAAAAAAAAAEAAABQAAAAAAAAAAAA4D8AAAAAAADgPwAAAAAAAOA/AAAAAAAA4D8AAAAAAADgPwAAAAAAAOA/AAAAAAAA4D8AAAAAAADgPwAAAAAAAOA/AAAAAAAA4D8CAAAAjAAAAAAAAAAAAAAAu+DjDP///wgAAAAAAAAAAAAAAAAAAAAAAAAAAAAAAAAAAAAAZAAAAAEAAABAAAAAAAAAAAAAAAAAAAAAAAAAAAAAAAAAAAAAAAAAAAAAAAAAAAAAAAAAAAAAAAAAAAAAAAAAAAAAAAAAAAAAAAAAAAAAAAAAAAAAAAAAAAAAAAAAAAAAFAAAADwAAAAAAAAAAAAAAAAAAAkUAAAAAQAAABQAAAAUAAAAFAAAAAEAAAAAAAAAZAAAAGQAAAAAAAAAZAAAAGQAAAAVAAAAYAAAAAAAAAAAAAAADwAAACADAAAAAAAAAAAAAAEAAACgMgAAVgcAAKr4//8BAAAAf39/AAEAAABkAAAAAAAAABQAAABAHwAAAAAAACYAAAAAAAAAwOD//wAAAAAmAAAAZAAAABYAAABMAAAAAAAAAAAAAAAEAAAAAAAAAAEAAACAgIAKAAAAACgAAAAoAAAAZAAAAGQAAAAAAAAAzMzMAAAAAABQAAAAUAAAAGQAAABkAAAAAAAAAAcAAAA4AAAAAAAAAAAAAAAAAAAA////AAAAAAAAAAAAAAAAAAAAAAAAAAAAAAAAAAAAAABkAAAAZAAAAAAAAAAjAAAABAAAAGQAAAAXAAAAFAAAAAAAAAAAAAAA/38AAP9/AAAAAAAACQAAAAQAAABEqHYJDAAAABAAAAAAAAAAAAAAAAAAAAAAAAAAHgAAAGgAAAAAAAAAAAAAAAAAAAAAAAAAAAAAABAnAAAQJwAAAAAAAAAAAAAAAAAAAAAAAAAAAAAAAAAAAAAAAAAAAAAUAAAAAAAAAMDA/wAAAAAAZAAAADIAAAAAAAAAZAAAAAAAAAB/f38ACgAAAB8AAABUAAAAu+DjBf///wEAAAAAAAAAAAAAAAAAAAAAAAAAAAAAAAAAAAAAAAAAAAAAAAJ/f38AgICAA8zMzADAwP8Af39/AAAAAAAAAAAAAAAAAP///wAAAAAAIQAAABgAAAAUAAAAiAMAABAHAADkLgAADBoAABAAAAAmAAAACAAAAP//////////"/>
+                <pr:smNativeData xmlns:pr="smNativeData" val="SMDATA_15_Zg2zYxMAAAAlAAAAEQAAAC8BAAAAkAAAAEgAAACQAAAASAAAAAAAAAAAAAAAAAAAAAEAAABQAAAAAAAAAAAA4D8AAAAAAADgPwAAAAAAAOA/AAAAAAAA4D8AAAAAAADgPwAAAAAAAOA/AAAAAAAA4D8AAAAAAADgPwAAAAAAAOA/AAAAAAAA4D8CAAAAjAAAAAAAAAAAAAAAu+DjDP///wgAAAAAAAAAAAAAAAAAAAAAAAAAAAAAAAAAAAAAZAAAAAEAAABAAAAAAAAAAAAAAAAAAAAAAAAAAAAAAAAAAAAAAAAAAAAAAAAAAAAAAAAAAAAAAAAAAAAAAAAAAAAAAAAAAAAAAAAAAAAAAAAAAAAAAAAAAAAAAAAAAAAAFAAAADwAAAAAAAAAAAAAAAAAAAkUAAAAAQAAABQAAAAUAAAAFAAAAAEAAAAAAAAAZAAAAGQAAAAAAAAAZAAAAGQAAAAVAAAAYAAAAAAAAAAAAAAADwAAACADAAAAAAAAAAAAAAEAAACgMgAAVgcAAKr4//8BAAAAf39/AAEAAABkAAAAAAAAABQAAABAHwAAAAAAACYAAAAAAAAAwOD//wAAAAAmAAAAZAAAABYAAABMAAAAAAAAAAAAAAAEAAAAAAAAAAEAAACAgIAKAAAAACgAAAAoAAAAZAAAAGQAAAAAAAAAzMzMAAAAAABQAAAAUAAAAGQAAABkAAAAAAAAAAcAAAA4AAAAAAAAAAAAAAAAAAAA////AAAAAAAAAAAAAAAAAAAAAAAAAAAAAAAAAAAAAABkAAAAZAAAAAAAAAAjAAAABAAAAGQAAAAXAAAAFAAAAAAAAAAAAAAA/38AAP9/AAAAAAAACQAAAAQAAAD/////DAAAABAAAAAAAAAAAAAAAAAAAAAAAAAAHgAAAGgAAAAAAAAAAAAAAAAAAAAAAAAAAAAAABAnAAAQJwAAAAAAAAAAAAAAAAAAAAAAAAAAAAAAAAAAAAAAAAAAAAAUAAAAAAAAAMDA/wAAAAAAZAAAADIAAAAAAAAAZAAAAAAAAAB/f38ACgAAAB8AAABUAAAAu+DjBf///wEAAAAAAAAAAAAAAAAAAAAAAAAAAAAAAAAAAAAAAAAAAAAAAAJ/f38AgICAA8zMzADAwP8Af39/AAAAAAAAAAAAAAAAAP///wAAAAAAIQAAABgAAAAUAAAAKg0AAAIPAABHGAAAUxkAABAAAAAmAAAACAAAAP//////////"/>
               </a:ext>
             </a:extLst>
           </p:cNvPicPr>
@@ -4019,8 +3952,76 @@
         </p:blipFill>
         <p:spPr>
           <a:xfrm>
-            <a:off x="574040" y="1148080"/>
-            <a:ext cx="7048500" cy="3086100"/>
+            <a:off x="2139950" y="2439670"/>
+            <a:ext cx="1806575" cy="1677035"/>
+          </a:xfrm>
+          <a:prstGeom prst="rect">
+            <a:avLst/>
+          </a:prstGeom>
+          <a:noFill/>
+          <a:ln>
+            <a:noFill/>
+          </a:ln>
+          <a:effectLst/>
+        </p:spPr>
+      </p:pic>
+      <p:pic>
+        <p:nvPicPr>
+          <p:cNvPr id="3" name="Picture2"/>
+          <p:cNvPicPr>
+            <a:picLocks noChangeAspect="1"/>
+            <a:extLst>
+              <a:ext uri="smNativeData">
+                <pr:smNativeData xmlns:pr="smNativeData" val="SMDATA_15_Zg2zYxMAAAAlAAAAEQAAAC8BAAAAkAAAAEgAAACQAAAASAAAAAAAAAAAAAAAAAAAAAEAAABQAAAAAAAAAAAA4D8AAAAAAADgPwAAAAAAAOA/AAAAAAAA4D8AAAAAAADgPwAAAAAAAOA/AAAAAAAA4D8AAAAAAADgPwAAAAAAAOA/AAAAAAAA4D8CAAAAjAAAAAAAAAAAAAAAu+DjDP///wgAAAAAAAAAAAAAAAAAAAAAAAAAAAAAAAAAAAAAZAAAAAEAAABAAAAAAAAAAAAAAAAAAAAAAAAAAAAAAAAAAAAAAAAAAAAAAAAAAAAAAAAAAAAAAAAAAAAAAAAAAAAAAAAAAAAAAAAAAAAAAAAAAAAAAAAAAAAAAAAAAAAAFAAAADwAAAAAAAAAAAAAAAAAAAkUAAAAAQAAABQAAAAUAAAAFAAAAAEAAAAAAAAAZAAAAGQAAAAAAAAAZAAAAGQAAAAVAAAAYAAAAAAAAAAAAAAADwAAACADAAAAAAAAAAAAAAEAAACgMgAAVgcAAKr4//8BAAAAf39/AAEAAABkAAAAAAAAABQAAABAHwAAAAAAACYAAAAAAAAAwOD//wAAAAAmAAAAZAAAABYAAABMAAAAAAAAAAAAAAAEAAAAAAAAAAEAAACAgIAKAAAAACgAAAAoAAAAZAAAAGQAAAAAAAAAzMzMAAAAAABQAAAAUAAAAGQAAABkAAAAAAAAAAcAAAA4AAAAAAAAAAAAAAAAAAAA////AAAAAAAAAAAAAAAAAAAAAAAAAAAAAAAAAAAAAABkAAAAZAAAAAAAAAAjAAAABAAAAGQAAAAXAAAAFAAAAAAAAAAAAAAA/38AAP9/AAAAAAAACQAAAAQAAAC6AgAADAAAABAAAAAAAAAAAAAAAAAAAAAAAAAAHgAAAGgAAAAAAAAAAAAAAAAAAAAAAAAAAAAAABAnAAAQJwAAAAAAAAAAAAAAAAAAAAAAAAAAAAAAAAAAAAAAAAAAAAAUAAAAAAAAAMDA/wAAAAAAZAAAADIAAAAAAAAAZAAAAAAAAAB/f38ACgAAAB8AAABUAAAAu+DjBf///wEAAAAAAAAAAAAAAAAAAAAAAAAAAAAAAAAAAAAAAAAAAAAAAAJ/f38AgICAA8zMzADAwP8Af39/AAAAAAAAAAAAAAAAAP///wAAAAAAIQAAABgAAAAUAAAAVRgAAAIPAAAEIwAAKRkAABAAAAAmAAAACAAAAP//////////"/>
+              </a:ext>
+            </a:extLst>
+          </p:cNvPicPr>
+          <p:nvPr/>
+        </p:nvPicPr>
+        <p:blipFill>
+          <a:blip r:embed="rId3"/>
+          <a:stretch>
+            <a:fillRect/>
+          </a:stretch>
+        </p:blipFill>
+        <p:spPr>
+          <a:xfrm>
+            <a:off x="3955415" y="2439670"/>
+            <a:ext cx="1736725" cy="1650365"/>
+          </a:xfrm>
+          <a:prstGeom prst="rect">
+            <a:avLst/>
+          </a:prstGeom>
+          <a:noFill/>
+          <a:ln>
+            <a:noFill/>
+          </a:ln>
+          <a:effectLst/>
+        </p:spPr>
+      </p:pic>
+      <p:pic>
+        <p:nvPicPr>
+          <p:cNvPr id="4" name="Picture3"/>
+          <p:cNvPicPr>
+            <a:picLocks noChangeAspect="1"/>
+            <a:extLst>
+              <a:ext uri="smNativeData">
+                <pr:smNativeData xmlns:pr="smNativeData" val="SMDATA_15_Zg2zYxMAAAAlAAAAEQAAAC8BAAAAkAAAAEgAAACQAAAASAAAAAAAAAAAAAAAAAAAAAEAAABQAAAAAAAAAAAA4D8AAAAAAADgPwAAAAAAAOA/AAAAAAAA4D8AAAAAAADgPwAAAAAAAOA/AAAAAAAA4D8AAAAAAADgPwAAAAAAAOA/AAAAAAAA4D8CAAAAjAAAAAAAAAAAAAAAu+DjDP///wgAAAAAAAAAAAAAAAAAAAAAAAAAAAAAAAAAAAAAZAAAAAEAAABAAAAAAAAAAAAAAAAAAAAAAAAAAAAAAAAAAAAAAAAAAAAAAAAAAAAAAAAAAAAAAAAAAAAAAAAAAAAAAAAAAAAAAAAAAAAAAAAAAAAAAAAAAAAAAAAAAAAAFAAAADwAAAAAAAAAAAAAAAAAAAkUAAAAAQAAABQAAAAUAAAAFAAAAAEAAAAAAAAAZAAAAGQAAAAAAAAAZAAAAGQAAAAVAAAAYAAAAAAAAAAAAAAADwAAACADAAAAAAAAAAAAAAEAAACgMgAAVgcAAKr4//8BAAAAf39/AAEAAABkAAAAAAAAABQAAABAHwAAAAAAACYAAAAAAAAAwOD//wAAAAAmAAAAZAAAABYAAABMAAAAAAAAAAAAAAAEAAAAAAAAAAEAAACAgIAKAAAAACgAAAAoAAAAZAAAAGQAAAAAAAAAzMzMAAAAAABQAAAAUAAAAGQAAABkAAAAAAAAAAcAAAA4AAAAAAAAAAAAAAAAAAAA////AAAAAAAAAAAAAAAAAAAAAAAAAAAAAAAAAAAAAABkAAAAZAAAAAAAAAAjAAAABAAAAGQAAAAXAAAAFAAAAAAAAAAAAAAA/38AAP9/AAAAAAAACQAAAAQAAAAAAAAADAAAABAAAAAAAAAAAAAAAAAAAAAAAAAAHgAAAGgAAAAAAAAAAAAAAAAAAAAAAAAAAAAAABAnAAAQJwAAAAAAAAAAAAAAAAAAAAAAAAAAAAAAAAAAAAAAAAAAAAAUAAAAAAAAAMDA/wAAAAAAZAAAADIAAAAAAAAAZAAAAAAAAAB/f38ACgAAAB8AAABUAAAAu+DjBf///wEAAAAAAAAAAAAAAAAAAAAAAAAAAAAAAAAAAAAAAAAAAAAAAAJ/f38AgICAA8zMzADAwP8Af39/AAAAAAAAAAAAAAAAAP///wAAAAAAIQAAABgAAAAUAAAAUwEAAAIPAADODAAAKRkAABAAAAAmAAAACAAAAP//////////"/>
+              </a:ext>
+            </a:extLst>
+          </p:cNvPicPr>
+          <p:nvPr/>
+        </p:nvPicPr>
+        <p:blipFill>
+          <a:blip r:embed="rId4"/>
+          <a:stretch>
+            <a:fillRect/>
+          </a:stretch>
+        </p:blipFill>
+        <p:spPr>
+          <a:xfrm>
+            <a:off x="215265" y="2439670"/>
+            <a:ext cx="1866265" cy="1650365"/>
           </a:xfrm>
           <a:prstGeom prst="rect">
             <a:avLst/>
@@ -4071,7 +4072,7 @@
             <a:picLocks noChangeAspect="1"/>
             <a:extLst>
               <a:ext uri="smNativeData">
-                <pr:smNativeData xmlns:pr="smNativeData" val="SMDATA_15_4y+yYxMAAAAlAAAAEQAAAC8BAAAAkAAAAEgAAACQAAAASAAAAAAAAAAAAAAAAAAAAAEAAABQAAAAAAAAAAAA4D8AAAAAAADgPwAAAAAAAOA/AAAAAAAA4D8AAAAAAADgPwAAAAAAAOA/AAAAAAAA4D8AAAAAAADgPwAAAAAAAOA/AAAAAAAA4D8CAAAAjAAAAAAAAAAAAAAAu+DjDP///wgAAAAAAAAAAAAAAAAAAAAAAAAAAAAAAAAAAAAAZAAAAAEAAABAAAAAAAAAAAAAAAAAAAAAAAAAAAAAAAAAAAAAAAAAAAAAAAAAAAAAAAAAAAAAAAAAAAAAAAAAAAAAAAAAAAAAAAAAAAAAAAAAAAAAAAAAAAAAAAAAAAAAFAAAADwAAAAAAAAAAAAAAAAAAAkUAAAAAQAAABQAAAAUAAAAFAAAAAEAAAAAAAAAZAAAAGQAAAAAAAAAZAAAAGQAAAAVAAAAYAAAAAAAAAAAAAAADwAAACADAAAAAAAAAAAAAAEAAACgMgAAVgcAAKr4//8BAAAAf39/AAEAAABkAAAAAAAAABQAAABAHwAAAAAAACYAAAAAAAAAwOD//wAAAAAmAAAAZAAAABYAAABMAAAAAAAAAAAAAAAEAAAAAAAAAAEAAACAgIAKAAAAACgAAAAoAAAAZAAAAGQAAAAAAAAAzMzMAAAAAABQAAAAUAAAAGQAAABkAAAAAAAAAAcAAAA4AAAAAAAAAAAAAAAAAAAA////AAAAAAAAAAAAAAAAAAAAAAAAAAAAAAAAAAAAAABkAAAAZAAAAAAAAAAjAAAABAAAAGQAAAAXAAAAFAAAAAAAAAAAAAAA/38AAP9/AAAAAAAACQAAAAQAAADAAxAADAAAABAAAAAAAAAAAAAAAAAAAAAAAAAAHgAAAGgAAAAAAAAAAAAAAAAAAAAAAAAAAAAAABAnAAAQJwAAAAAAAAAAAAAAAAAAAAAAAAAAAAAAAAAAAAAAAAAAAAAUAAAAAAAAAMDA/wAAAAAAZAAAADIAAAAAAAAAZAAAAAAAAAB/f38ACgAAAB8AAABUAAAAu+DjBf///wEAAAAAAAAAAAAAAAAAAAAAAAAAAAAAAAAAAAAAAAAAAAAAAAJ/f38AgICAA8zMzADAwP8Af39/AAAAAAAAAAAAAAAAAP///wAAAAAAIQAAABgAAAAUAAAAJwQAAJgKAADtGgAArhkAABAAAAAmAAAACAAAAP//////////"/>
+                <pr:smNativeData xmlns:pr="smNativeData" val="SMDATA_15_Zg2zYxMAAAAlAAAAEQAAAC8BAAAAkAAAAEgAAACQAAAASAAAAAAAAAAAAAAAAAAAAAEAAABQAAAAAAAAAAAA4D8AAAAAAADgPwAAAAAAAOA/AAAAAAAA4D8AAAAAAADgPwAAAAAAAOA/AAAAAAAA4D8AAAAAAADgPwAAAAAAAOA/AAAAAAAA4D8CAAAAjAAAAAAAAAAAAAAAu+DjDP///wgAAAAAAAAAAAAAAAAAAAAAAAAAAAAAAAAAAAAAZAAAAAEAAABAAAAAAAAAAAAAAAAAAAAAAAAAAAAAAAAAAAAAAAAAAAAAAAAAAAAAAAAAAAAAAAAAAAAAAAAAAAAAAAAAAAAAAAAAAAAAAAAAAAAAAAAAAAAAAAAAAAAAFAAAADwAAAAAAAAAAAAAAAAAAAkUAAAAAQAAABQAAAAUAAAAFAAAAAEAAAAAAAAAZAAAAGQAAAAAAAAAZAAAAGQAAAAVAAAAYAAAAAAAAAAAAAAADwAAACADAAAAAAAAAAAAAAEAAACgMgAAVgcAAKr4//8BAAAAf39/AAEAAABkAAAAAAAAABQAAABAHwAAAAAAACYAAAAAAAAAwOD//wAAAAAmAAAAZAAAABYAAABMAAAAAAAAAAAAAAAEAAAAAAAAAAEAAACAgIAKAAAAACgAAAAoAAAAZAAAAGQAAAAAAAAAzMzMAAAAAABQAAAAUAAAAGQAAABkAAAAAAAAAAcAAAA4AAAAAAAAAAAAAAAAAAAA////AAAAAAAAAAAAAAAAAAAAAAAAAAAAAAAAAAAAAABkAAAAZAAAAAAAAAAjAAAABAAAAGQAAAAXAAAAFAAAAAAAAAAAAAAA/38AAP9/AAAAAAAACQAAAAQAAABEqHYJDAAAABAAAAAAAAAAAAAAAAAAAAAAAAAAHgAAAGgAAAAAAAAAAAAAAAAAAAAAAAAAAAAAABAnAAAQJwAAAAAAAAAAAAAAAAAAAAAAAAAAAAAAAAAAAAAAAAAAAAAUAAAAAAAAAMDA/wAAAAAAZAAAADIAAAAAAAAAZAAAAAAAAAB/f38ACgAAAB8AAABUAAAAu+DjBf///wEAAAAAAAAAAAAAAAAAAAAAAAAAAAAAAAAAAAAAAAAAAAAAAAJ/f38AgICAA8zMzADAwP8Af39/AAAAAAAAAAAAAAAAAP///wAAAAAAIQAAABgAAAAUAAAAiAMAABAHAADkLgAADBoAABAAAAAmAAAACAAAAP//////////"/>
               </a:ext>
             </a:extLst>
           </p:cNvPicPr>
@@ -4085,8 +4086,8 @@
         </p:blipFill>
         <p:spPr>
           <a:xfrm>
-            <a:off x="675005" y="1722120"/>
-            <a:ext cx="3702050" cy="2452370"/>
+            <a:off x="574040" y="1148080"/>
+            <a:ext cx="7048500" cy="3086100"/>
           </a:xfrm>
           <a:prstGeom prst="rect">
             <a:avLst/>
@@ -4098,77 +4099,6 @@
           <a:effectLst/>
         </p:spPr>
       </p:pic>
-      <p:pic>
-        <p:nvPicPr>
-          <p:cNvPr id="3" name="Picture2"/>
-          <p:cNvPicPr>
-            <a:picLocks noChangeAspect="1"/>
-            <a:extLst>
-              <a:ext uri="smNativeData">
-                <pr:smNativeData xmlns:pr="smNativeData" val="SMDATA_15_4y+yYxMAAAAlAAAAEQAAAC8BAAAAkAAAAEgAAACQAAAASAAAAAAAAAAAAAAAAAAAAAEAAABQAAAAAAAAAAAA4D8AAAAAAADgPwAAAAAAAOA/AAAAAAAA4D8AAAAAAADgPwAAAAAAAOA/AAAAAAAA4D8AAAAAAADgPwAAAAAAAOA/AAAAAAAA4D8CAAAAjAAAAAAAAAAAAAAAu+DjDP///wgAAAAAAAAAAAAAAAAAAAAAAAAAAAAAAAAAAAAAZAAAAAEAAABAAAAAAAAAAAAAAAAAAAAAAAAAAAAAAAAAAAAAAAAAAAAAAAAAAAAAAAAAAAAAAAAAAAAAAAAAAAAAAAAAAAAAAAAAAAAAAAAAAAAAAAAAAAAAAAAAAAAAFAAAADwAAAAAAAAAAAAAAAAAAAkUAAAAAQAAABQAAAAUAAAAFAAAAAEAAAAAAAAAZAAAAGQAAAAAAAAAZAAAAGQAAAAVAAAAYAAAAAAAAAAAAAAADwAAACADAAAAAAAAAAAAAAEAAACgMgAAVgcAAKr4//8BAAAAf39/AAEAAABkAAAAAAAAABQAAABAHwAAAAAAACYAAAAAAAAAwOD//wAAAAAmAAAAZAAAABYAAABMAAAAAAAAAAAAAAAEAAAAAAAAAAEAAACAgIAKAAAAACgAAAAoAAAAZAAAAGQAAAAAAAAAzMzMAAAAAABQAAAAUAAAAGQAAABkAAAAAAAAAAcAAAA4AAAAAAAAAAAAAAAAAAAA////AAAAAAAAAAAAAAAAAAAAAAAAAAAAAAAAAAAAAABkAAAAZAAAAAAAAAAjAAAABAAAAGQAAAAXAAAAFAAAAAAAAAAAAAAA/38AAP9/AAAAAAAACQAAAAQAAAB8Yu0LDAAAABAAAAAAAAAAAAAAAAAAAAAAAAAAHgAAAGgAAAAAAAAAAAAAAAAAAAAAAAAAAAAAABAnAAAQJwAAAAAAAAAAAAAAAAAAAAAAAAAAAAAAAAAAAAAAAAAAAAAUAAAAAAAAAMDA/wAAAAAAZAAAADIAAAAAAAAAZAAAAAAAAAB/f38ACgAAAB8AAABUAAAAu+DjBf///wEAAAAAAAAAAAAAAAAAAAAAAAAAAAAAAAAAAAAAAAAAAAAAAAJ/f38AgICAA8zMzADAwP8Af39/AAAAAAAAAAAAAAAAAP///wAAAAAAIQAAABgAAAAUAAAA3B4AAJgKAACkLQAAmhkAABAAAAAmAAAACAAAAP//////////"/>
-              </a:ext>
-            </a:extLst>
-          </p:cNvPicPr>
-          <p:nvPr/>
-        </p:nvPicPr>
-        <p:blipFill>
-          <a:blip r:embed="rId3"/>
-          <a:stretch>
-            <a:fillRect/>
-          </a:stretch>
-        </p:blipFill>
-        <p:spPr>
-          <a:xfrm>
-            <a:off x="5016500" y="1722120"/>
-            <a:ext cx="2402840" cy="2439670"/>
-          </a:xfrm>
-          <a:prstGeom prst="rect">
-            <a:avLst/>
-          </a:prstGeom>
-          <a:noFill/>
-          <a:ln>
-            <a:noFill/>
-          </a:ln>
-          <a:effectLst/>
-        </p:spPr>
-      </p:pic>
-      <p:sp>
-        <p:nvSpPr>
-          <p:cNvPr id="4" name="AutoShape1"/>
-          <p:cNvSpPr>
-            <a:extLst>
-              <a:ext uri="smNativeData">
-                <pr:smNativeData xmlns:pr="smNativeData" val="SMDATA_13_4y+yYxMAAAAlAAAA2AAAAA8BAAAAkAAAAEgAAACQAAAASAAAAAAAAAAAAAAAAAAAAAEAAABQAAAAAAAAAAAA4D8AAAAAAADgPwAAAAAAAOA/AAAAAAAA4D8AAAAAAADgPwAAAAAAAOA/AAAAAAAA4D8AAAAAAADgPwAAAAAAAOA/AAAAAAAA4D8CAAAAjAAAAAEAAAAAAAAAs7OzAP///wgAAAAAAAAAAAAAAAAAAAAAAAAAAAAAAAAAAAAAZAAAAAEAAABAAAAAAAAAAAAAAAAAAAAAAAAAAAAAAAAAAAAAAAAAAAAAAAAAAAAAAAAAAAAAAAAAAAAAAAAAAAAAAAAAAAAAAAAAAAAAAAAAAAAAAAAAAAAAAAAAAAAAFAAAADwAAAABAAAAAAAAAAAAAAkUAAAAAQAAABQAAAAUAAAAFAAAAAEAAAAAAAAAZAAAAGQAAAAAAAAAZAAAAGQAAAAVAAAAYAAAAAAAAAAAAAAADwAAACADAAAAAAAAAAAAAAEAAACgMgAAVgcAAKr4//8BAAAAf39/AAEAAABkAAAAAAAAABQAAABAHwAAAAAAACYAAAAAAAAAwOD//wAAAAAmAAAAZAAAABYAAABMAAAAAAAAAAAAAAAEAAAAAAAAAAEAAACAgIAKAAAAACgAAAAoAAAAZAAAAGQAAAAAAAAAzMzMAAAAAABQAAAAUAAAAGQAAABkAAAAAAAAABcAAAAUAAAAAAAAAAAAAAD/fwAA/38AAAAAAAAJAAAABAAAAFNQSU4MAAAAEAAAAAAAAAAAAAAAAAAAAAAAAAAeAAAAaAAAAAAAAAAAAAAAAAAAAAAAAAAAAAAAECcAABAnAAAAAAAAAAAAAAAAAAAAAAAAAAAAAAAAAAAAAAAAAAAAABQAAAAAAAAAwMD/AAAAAABkAAAAMgAAAAAAAABkAAAAAAAAAH9/fwAKAAAAHwAAAFQAAACzs7MA////AQAAAAAAAAAAAAAAAAAAAAAAAAAAAAAAAAAAAAAAAAAAAAAAAn9/fwCAgIADzMzMAMDA/wB/f38AAAAAAAAAAAAAAAAAAAAAAAAAAAAhAAAAGAAAABQAAAB8GgAANxEAAHUeAAD7EgAAEAAAACYAAAAIAAAA//////////8="/>
-              </a:ext>
-            </a:extLst>
-          </p:cNvSpPr>
-          <p:nvPr/>
-        </p:nvSpPr>
-        <p:spPr>
-          <a:xfrm>
-            <a:off x="4305300" y="2798445"/>
-            <a:ext cx="645795" cy="287020"/>
-          </a:xfrm>
-          <a:prstGeom prst="stripedRightArrow">
-            <a:avLst>
-              <a:gd name="adj1" fmla="val 50000"/>
-              <a:gd name="adj2" fmla="val 94922"/>
-            </a:avLst>
-          </a:prstGeom>
-          <a:solidFill>
-            <a:srgbClr val="B3B3B3"/>
-          </a:solidFill>
-          <a:ln w="12700" cap="flat" cmpd="sng" algn="ctr">
-            <a:solidFill>
-              <a:schemeClr val="tx1"/>
-            </a:solidFill>
-            <a:prstDash val="solid"/>
-            <a:headEnd type="none"/>
-            <a:tailEnd type="none"/>
-          </a:ln>
-          <a:effectLst/>
-        </p:spPr>
-      </p:sp>
     </p:spTree>
   </p:cSld>
   <p:clrMapOvr>
@@ -4208,7 +4138,144 @@
             <a:picLocks noChangeAspect="1"/>
             <a:extLst>
               <a:ext uri="smNativeData">
-                <pr:smNativeData xmlns:pr="smNativeData" val="SMDATA_15_4y+yYxMAAAAlAAAAEQAAAC8BAAAAkAAAAEgAAACQAAAASAAAAAAAAAAAAAAAAAAAAAEAAABQAAAAAAAAAAAA4D8AAAAAAADgPwAAAAAAAOA/AAAAAAAA4D8AAAAAAADgPwAAAAAAAOA/AAAAAAAA4D8AAAAAAADgPwAAAAAAAOA/AAAAAAAA4D8CAAAAjAAAAAAAAAAAAAAAu+DjDP///wgAAAAAAAAAAAAAAAAAAAAAAAAAAAAAAAAAAAAAZAAAAAEAAABAAAAAAAAAAAAAAAAAAAAAAAAAAAAAAAAAAAAAAAAAAAAAAAAAAAAAAAAAAAAAAAAAAAAAAAAAAAAAAAAAAAAAAAAAAAAAAAAAAAAAAAAAAAAAAAAAAAAAFAAAADwAAAAAAAAAAAAAAAAAAAkUAAAAAQAAABQAAAAUAAAAFAAAAAEAAAAAAAAAZAAAAGQAAAAAAAAAZAAAAGQAAAAVAAAAYAAAAAAAAAAAAAAADwAAACADAAAAAAAAAAAAAAEAAACgMgAAVgcAAKr4//8BAAAAf39/AAEAAABkAAAAAAAAABQAAABAHwAAAAAAACYAAAAAAAAAwOD//wAAAAAmAAAAZAAAABYAAABMAAAAAAAAAAAAAAAEAAAAAAAAAAEAAACAgIAKAAAAACgAAAAoAAAAZAAAAGQAAAAAAAAAzMzMAAAAAABQAAAAUAAAAGQAAABkAAAAAAAAAAcAAAA4AAAAAAAAAAAAAAAAAAAA////AAAAAAAAAAAAAAAAAAAAAAAAAAAAAAAAAAAAAABkAAAAZAAAAAAAAAAjAAAABAAAAGQAAAAXAAAAFAAAAAAAAAAAAAAA/38AAP9/AAAAAAAACQAAAAQAAAAAAAAADAAAABAAAAAAAAAAAAAAAAAAAAAAAAAAHgAAAGgAAAAAAAAAAAAAAAAAAAAAAAAAAAAAABAnAAAQJwAAAAAAAAAAAAAAAAAAAAAAAAAAAAAAAAAAAAAAAAAAAAAUAAAAAAAAAMDA/wAAAAAAZAAAADIAAAAAAAAAZAAAAAAAAAB/f38ACgAAAB8AAABUAAAAu+DjBf///wEAAAAAAAAAAAAAAAAAAAAAAAAAAAAAAAAAAAAAAAAAAAAAAAJ/f38AgICAA8zMzADAwP8Af39/AAAAAAAAAAAAAAAAAP///wAAAAAAIQAAABgAAAAUAAAAagQAAMYKAACWMgAAuBgAABAAAAAmAAAACAAAAP//////////"/>
+                <pr:smNativeData xmlns:pr="smNativeData" val="SMDATA_15_Zg2zYxMAAAAlAAAAEQAAAC8BAAAAkAAAAEgAAACQAAAASAAAAAAAAAAAAAAAAAAAAAEAAABQAAAAAAAAAAAA4D8AAAAAAADgPwAAAAAAAOA/AAAAAAAA4D8AAAAAAADgPwAAAAAAAOA/AAAAAAAA4D8AAAAAAADgPwAAAAAAAOA/AAAAAAAA4D8CAAAAjAAAAAAAAAAAAAAAu+DjDP///wgAAAAAAAAAAAAAAAAAAAAAAAAAAAAAAAAAAAAAZAAAAAEAAABAAAAAAAAAAAAAAAAAAAAAAAAAAAAAAAAAAAAAAAAAAAAAAAAAAAAAAAAAAAAAAAAAAAAAAAAAAAAAAAAAAAAAAAAAAAAAAAAAAAAAAAAAAAAAAAAAAAAAFAAAADwAAAAAAAAAAAAAAAAAAAkUAAAAAQAAABQAAAAUAAAAFAAAAAEAAAAAAAAAZAAAAGQAAAAAAAAAZAAAAGQAAAAVAAAAYAAAAAAAAAAAAAAADwAAACADAAAAAAAAAAAAAAEAAACgMgAAVgcAAKr4//8BAAAAf39/AAEAAABkAAAAAAAAABQAAABAHwAAAAAAACYAAAAAAAAAwOD//wAAAAAmAAAAZAAAABYAAABMAAAAAAAAAAAAAAAEAAAAAAAAAAEAAACAgIAKAAAAACgAAAAoAAAAZAAAAGQAAAAAAAAAzMzMAAAAAABQAAAAUAAAAGQAAABkAAAAAAAAAAcAAAA4AAAAAAAAAAAAAAAAAAAA////AAAAAAAAAAAAAAAAAAAAAAAAAAAAAAAAAAAAAABkAAAAZAAAAAAAAAAjAAAABAAAAGQAAAAXAAAAFAAAAAAAAAAAAAAA/38AAP9/AAAAAAAACQAAAAQAAADAAxAADAAAABAAAAAAAAAAAAAAAAAAAAAAAAAAHgAAAGgAAAAAAAAAAAAAAAAAAAAAAAAAAAAAABAnAAAQJwAAAAAAAAAAAAAAAAAAAAAAAAAAAAAAAAAAAAAAAAAAAAAUAAAAAAAAAMDA/wAAAAAAZAAAADIAAAAAAAAAZAAAAAAAAAB/f38ACgAAAB8AAABUAAAAu+DjBf///wEAAAAAAAAAAAAAAAAAAAAAAAAAAAAAAAAAAAAAAAAAAAAAAAJ/f38AgICAA8zMzADAwP8Af39/AAAAAAAAAAAAAAAAAP///wAAAAAAIQAAABgAAAAUAAAAJwQAAJgKAADtGgAArhkAABAAAAAmAAAACAAAAP//////////"/>
+              </a:ext>
+            </a:extLst>
+          </p:cNvPicPr>
+          <p:nvPr/>
+        </p:nvPicPr>
+        <p:blipFill>
+          <a:blip r:embed="rId2"/>
+          <a:stretch>
+            <a:fillRect/>
+          </a:stretch>
+        </p:blipFill>
+        <p:spPr>
+          <a:xfrm>
+            <a:off x="675005" y="1722120"/>
+            <a:ext cx="3702050" cy="2452370"/>
+          </a:xfrm>
+          <a:prstGeom prst="rect">
+            <a:avLst/>
+          </a:prstGeom>
+          <a:noFill/>
+          <a:ln>
+            <a:noFill/>
+          </a:ln>
+          <a:effectLst/>
+        </p:spPr>
+      </p:pic>
+      <p:pic>
+        <p:nvPicPr>
+          <p:cNvPr id="3" name="Picture2"/>
+          <p:cNvPicPr>
+            <a:picLocks noChangeAspect="1"/>
+            <a:extLst>
+              <a:ext uri="smNativeData">
+                <pr:smNativeData xmlns:pr="smNativeData" val="SMDATA_15_Zg2zYxMAAAAlAAAAEQAAAC8BAAAAkAAAAEgAAACQAAAASAAAAAAAAAAAAAAAAAAAAAEAAABQAAAAAAAAAAAA4D8AAAAAAADgPwAAAAAAAOA/AAAAAAAA4D8AAAAAAADgPwAAAAAAAOA/AAAAAAAA4D8AAAAAAADgPwAAAAAAAOA/AAAAAAAA4D8CAAAAjAAAAAAAAAAAAAAAu+DjDP///wgAAAAAAAAAAAAAAAAAAAAAAAAAAAAAAAAAAAAAZAAAAAEAAABAAAAAAAAAAAAAAAAAAAAAAAAAAAAAAAAAAAAAAAAAAAAAAAAAAAAAAAAAAAAAAAAAAAAAAAAAAAAAAAAAAAAAAAAAAAAAAAAAAAAAAAAAAAAAAAAAAAAAFAAAADwAAAAAAAAAAAAAAAAAAAkUAAAAAQAAABQAAAAUAAAAFAAAAAEAAAAAAAAAZAAAAGQAAAAAAAAAZAAAAGQAAAAVAAAAYAAAAAAAAAAAAAAADwAAACADAAAAAAAAAAAAAAEAAACgMgAAVgcAAKr4//8BAAAAf39/AAEAAABkAAAAAAAAABQAAABAHwAAAAAAACYAAAAAAAAAwOD//wAAAAAmAAAAZAAAABYAAABMAAAAAAAAAAAAAAAEAAAAAAAAAAEAAACAgIAKAAAAACgAAAAoAAAAZAAAAGQAAAAAAAAAzMzMAAAAAABQAAAAUAAAAGQAAABkAAAAAAAAAAcAAAA4AAAAAAAAAAAAAAAAAAAA////AAAAAAAAAAAAAAAAAAAAAAAAAAAAAAAAAAAAAABkAAAAZAAAAAAAAAAjAAAABAAAAGQAAAAXAAAAFAAAAAAAAAAAAAAA/38AAP9/AAAAAAAACQAAAAQAAAB8Yu0LDAAAABAAAAAAAAAAAAAAAAAAAAAAAAAAHgAAAGgAAAAAAAAAAAAAAAAAAAAAAAAAAAAAABAnAAAQJwAAAAAAAAAAAAAAAAAAAAAAAAAAAAAAAAAAAAAAAAAAAAAUAAAAAAAAAMDA/wAAAAAAZAAAADIAAAAAAAAAZAAAAAAAAAB/f38ACgAAAB8AAABUAAAAu+DjBf///wEAAAAAAAAAAAAAAAAAAAAAAAAAAAAAAAAAAAAAAAAAAAAAAAJ/f38AgICAA8zMzADAwP8Af39/AAAAAAAAAAAAAAAAAP///wAAAAAAIQAAABgAAAAUAAAA3B4AAJgKAACkLQAAmhkAABAAAAAmAAAACAAAAP//////////"/>
+              </a:ext>
+            </a:extLst>
+          </p:cNvPicPr>
+          <p:nvPr/>
+        </p:nvPicPr>
+        <p:blipFill>
+          <a:blip r:embed="rId3"/>
+          <a:stretch>
+            <a:fillRect/>
+          </a:stretch>
+        </p:blipFill>
+        <p:spPr>
+          <a:xfrm>
+            <a:off x="5016500" y="1722120"/>
+            <a:ext cx="2402840" cy="2439670"/>
+          </a:xfrm>
+          <a:prstGeom prst="rect">
+            <a:avLst/>
+          </a:prstGeom>
+          <a:noFill/>
+          <a:ln>
+            <a:noFill/>
+          </a:ln>
+          <a:effectLst/>
+        </p:spPr>
+      </p:pic>
+      <p:sp>
+        <p:nvSpPr>
+          <p:cNvPr id="4" name="AutoShape1"/>
+          <p:cNvSpPr>
+            <a:extLst>
+              <a:ext uri="smNativeData">
+                <pr:smNativeData xmlns:pr="smNativeData" val="SMDATA_13_Zg2zYxMAAAAlAAAA2AAAAA8BAAAAkAAAAEgAAACQAAAASAAAAAAAAAAAAAAAAAAAAAEAAABQAAAAAAAAAAAA4D8AAAAAAADgPwAAAAAAAOA/AAAAAAAA4D8AAAAAAADgPwAAAAAAAOA/AAAAAAAA4D8AAAAAAADgPwAAAAAAAOA/AAAAAAAA4D8CAAAAjAAAAAEAAAAAAAAAs7OzAP///wgAAAAAAAAAAAAAAAAAAAAAAAAAAAAAAAAAAAAAZAAAAAEAAABAAAAAAAAAAAAAAAAAAAAAAAAAAAAAAAAAAAAAAAAAAAAAAAAAAAAAAAAAAAAAAAAAAAAAAAAAAAAAAAAAAAAAAAAAAAAAAAAAAAAAAAAAAAAAAAAAAAAAFAAAADwAAAABAAAAAAAAAAAAAAkUAAAAAQAAABQAAAAUAAAAFAAAAAEAAAAAAAAAZAAAAGQAAAAAAAAAZAAAAGQAAAAVAAAAYAAAAAAAAAAAAAAADwAAACADAAAAAAAAAAAAAAEAAACgMgAAVgcAAKr4//8BAAAAf39/AAEAAABkAAAAAAAAABQAAABAHwAAAAAAACYAAAAAAAAAwOD//wAAAAAmAAAAZAAAABYAAABMAAAAAAAAAAAAAAAEAAAAAAAAAAEAAACAgIAKAAAAACgAAAAoAAAAZAAAAGQAAAAAAAAAzMzMAAAAAABQAAAAUAAAAGQAAABkAAAAAAAAABcAAAAUAAAAAAAAAAAAAAD/fwAA/38AAAAAAAAJAAAABAAAAFNQSU4MAAAAEAAAAAAAAAAAAAAAAAAAAAAAAAAeAAAAaAAAAAAAAAAAAAAAAAAAAAAAAAAAAAAAECcAABAnAAAAAAAAAAAAAAAAAAAAAAAAAAAAAAAAAAAAAAAAAAAAABQAAAAAAAAAwMD/AAAAAABkAAAAMgAAAAAAAABkAAAAAAAAAH9/fwAKAAAAHwAAAFQAAACzs7MA////AQAAAAAAAAAAAAAAAAAAAAAAAAAAAAAAAAAAAAAAAAAAAAAAAn9/fwCAgIADzMzMAMDA/wB/f38AAAAAAAAAAAAAAAAAAAAAAAAAAAAhAAAAGAAAABQAAAB8GgAANxEAAHUeAAD7EgAAEAAAACYAAAAIAAAA//////////8="/>
+              </a:ext>
+            </a:extLst>
+          </p:cNvSpPr>
+          <p:nvPr/>
+        </p:nvSpPr>
+        <p:spPr>
+          <a:xfrm>
+            <a:off x="4305300" y="2798445"/>
+            <a:ext cx="645795" cy="287020"/>
+          </a:xfrm>
+          <a:prstGeom prst="stripedRightArrow">
+            <a:avLst>
+              <a:gd name="adj1" fmla="val 50000"/>
+              <a:gd name="adj2" fmla="val 94922"/>
+            </a:avLst>
+          </a:prstGeom>
+          <a:solidFill>
+            <a:srgbClr val="B3B3B3"/>
+          </a:solidFill>
+          <a:ln w="12700" cap="flat" cmpd="sng" algn="ctr">
+            <a:solidFill>
+              <a:schemeClr val="tx1"/>
+            </a:solidFill>
+            <a:prstDash val="solid"/>
+            <a:headEnd type="none"/>
+            <a:tailEnd type="none"/>
+          </a:ln>
+          <a:effectLst/>
+        </p:spPr>
+      </p:sp>
+    </p:spTree>
+  </p:cSld>
+  <p:clrMapOvr>
+    <a:masterClrMapping/>
+  </p:clrMapOvr>
+  <p:timing>
+    <p:tnLst>
+      <p:par>
+        <p:cTn id="1" dur="indefinite" restart="never" nodeType="tmRoot"/>
+      </p:par>
+    </p:tnLst>
+  </p:timing>
+</p:sld>
+</file>
+
+<file path=ppt/slides/slide6.xml><?xml version="1.0" encoding="utf-8"?>
+<p:sld xmlns:p="http://schemas.openxmlformats.org/presentationml/2006/main" xmlns:p14="http://schemas.microsoft.com/office/powerpoint/2010/main" xmlns:r="http://schemas.openxmlformats.org/officeDocument/2006/relationships" xmlns:a="http://schemas.openxmlformats.org/drawingml/2006/main">
+  <p:cSld>
+    <p:spTree>
+      <p:nvGrpSpPr>
+        <p:cNvPr id="1" name=""/>
+        <p:cNvGrpSpPr/>
+        <p:nvPr/>
+      </p:nvGrpSpPr>
+      <p:grpSpPr>
+        <a:xfrm>
+          <a:off x="0" y="0"/>
+          <a:ext cx="0" cy="0"/>
+          <a:chOff x="0" y="0"/>
+          <a:chExt cx="0" cy="0"/>
+        </a:xfrm>
+      </p:grpSpPr>
+      <p:pic>
+        <p:nvPicPr>
+          <p:cNvPr id="2" name="Picture1"/>
+          <p:cNvPicPr>
+            <a:picLocks noChangeAspect="1"/>
+            <a:extLst>
+              <a:ext uri="smNativeData">
+                <pr:smNativeData xmlns:pr="smNativeData" val="SMDATA_15_Zg2zYxMAAAAlAAAAEQAAAC8BAAAAkAAAAEgAAACQAAAASAAAAAAAAAAAAAAAAAAAAAEAAABQAAAAAAAAAAAA4D8AAAAAAADgPwAAAAAAAOA/AAAAAAAA4D8AAAAAAADgPwAAAAAAAOA/AAAAAAAA4D8AAAAAAADgPwAAAAAAAOA/AAAAAAAA4D8CAAAAjAAAAAAAAAAAAAAAu+DjDP///wgAAAAAAAAAAAAAAAAAAAAAAAAAAAAAAAAAAAAAZAAAAAEAAABAAAAAAAAAAAAAAAAAAAAAAAAAAAAAAAAAAAAAAAAAAAAAAAAAAAAAAAAAAAAAAAAAAAAAAAAAAAAAAAAAAAAAAAAAAAAAAAAAAAAAAAAAAAAAAAAAAAAAFAAAADwAAAAAAAAAAAAAAAAAAAkUAAAAAQAAABQAAAAUAAAAFAAAAAEAAAAAAAAAZAAAAGQAAAAAAAAAZAAAAGQAAAAVAAAAYAAAAAAAAAAAAAAADwAAACADAAAAAAAAAAAAAAEAAACgMgAAVgcAAKr4//8BAAAAf39/AAEAAABkAAAAAAAAABQAAABAHwAAAAAAACYAAAAAAAAAwOD//wAAAAAmAAAAZAAAABYAAABMAAAAAAAAAAAAAAAEAAAAAAAAAAEAAACAgIAKAAAAACgAAAAoAAAAZAAAAGQAAAAAAAAAzMzMAAAAAABQAAAAUAAAAGQAAABkAAAAAAAAAAcAAAA4AAAAAAAAAAAAAAAAAAAA////AAAAAAAAAAAAAAAAAAAAAAAAAAAAAAAAAAAAAABkAAAAZAAAAAAAAAAjAAAABAAAAGQAAAAXAAAAFAAAAAAAAAAAAAAA/38AAP9/AAAAAAAACQAAAAQAAAAAAAAADAAAABAAAAAAAAAAAAAAAAAAAAAAAAAAHgAAAGgAAAAAAAAAAAAAAAAAAAAAAAAAAAAAABAnAAAQJwAAAAAAAAAAAAAAAAAAAAAAAAAAAAAAAAAAAAAAAAAAAAAUAAAAAAAAAMDA/wAAAAAAZAAAADIAAAAAAAAAZAAAAAAAAAB/f38ACgAAAB8AAABUAAAAu+DjBf///wEAAAAAAAAAAAAAAAAAAAAAAAAAAAAAAAAAAAAAAAAAAAAAAAJ/f38AgICAA8zMzADAwP8Af39/AAAAAAAAAAAAAAAAAP///wAAAAAAIQAAABgAAAAUAAAAagQAAMYKAACWMgAAuBgAABAAAAAmAAAACAAAAP//////////"/>
               </a:ext>
             </a:extLst>
           </p:cNvPicPr>
@@ -4250,7 +4317,7 @@
 </p:sld>
 </file>
 
-<file path=ppt/slides/slide6.xml><?xml version="1.0" encoding="utf-8"?>
+<file path=ppt/slides/slide7.xml><?xml version="1.0" encoding="utf-8"?>
 <p:sld xmlns:p="http://schemas.openxmlformats.org/presentationml/2006/main" xmlns:p14="http://schemas.microsoft.com/office/powerpoint/2010/main" xmlns:r="http://schemas.openxmlformats.org/officeDocument/2006/relationships" xmlns:a="http://schemas.openxmlformats.org/drawingml/2006/main">
   <p:cSld>
     <p:spTree>
@@ -4273,7 +4340,7 @@
           <p:cNvSpPr>
             <a:extLst>
               <a:ext uri="smNativeData">
-                <pr:smNativeData xmlns:pr="smNativeData" val="SMDATA_13_4y+yYxMAAAAlAAAAZAAAAA8BAAAAkAAAAEgAAACQAAAASAAAAAAAAAAAAAAAAAAAAAEAAABQAAAAAAAAAAAA4D8AAAAAAADgPwAAAAAAAOA/AAAAAAAA4D8AAAAAAADgPwAAAAAAAOA/AAAAAAAA4D8AAAAAAADgPwAAAAAAAOA/AAAAAAAA4D8CAAAAjAAAAAEAAAAAAAAA////CP///wgAAAAAAAAAAAAAAAAAAAAAAAAAAAAAAAAAAAAAZAAAAAEAAABAAAAAAAAAAAAAAAAAAAAAAAAAAAAAAAAAAAAAAAAAAAAAAAAAAAAAAAAAAAAAAAAAAAAAAAAAAAAAAAAAAAAAAAAAAAAAAAAAAAAAAAAAAAAAAAAAAAAAFAAAADwAAAAAAAAAAAAAAAAAAAkAAAAAAQAAAAAAAAAAAAAAAAAAAAAAAAAAAAAAZAAAAGQAAAAAAAAAZAAAAGQAAAAVAAAAYAAAAAAAAAAAAAAADwAAACADAAAAAAAAAAAAAAEAAACgMgAAAAAAAAAAAAABAAAAf39/AAEAAABkAAAAAAAAABQAAABAHwAAAAAAACYAAAAAAAAAwOD//wAAAAAmAAAAZAAAABYAAABMAAAAAAAAAAAAAAAEAAAAAAAAAAEAAACAgIAKAAAAACgAAAAoAAAAZAAAAGQAAAAAAAAAzMzMAAAAAABQAAAAUAAAAGQAAABkAAAAAAAAABcAAAAUAAAAAAAAAAAAAAD/fwAA/38AAAAAAAAJAAAABAAAAAAAAQAMAAAAEAAAAAAAAAAAAAAAAAAAAAAAAAAeAAAAaAAAAAAAAAAAAAAAAAAAAAAAAAAAAAAAECcAABAnAAAAAAAAAAAAAAAAAAAAAAAAAAAAAAAAAAAAAAAAAAAAABQAAAAAAAAAwMD/AAAAAABkAAAAMgAAAAAAAABkAAAAAAAAAH9/fwAKAAAAHwAAAFQAAAD///8B////AQAAAAAAAAAAAAAAAAAAAAAAAAAAAAAAAAAAAAAAAAAAAAAAAn9/fwCAgIADzMzMAMDA/wB/f38AAAAAAAAAAAAAAAAAAAAAAAAAAAAhAAAAGAAAABQAAAAZEgAAvQUAAA84AABeGwAAEAAAACYAAAAIAAAA//////////8="/>
+                <pr:smNativeData xmlns:pr="smNativeData" val="SMDATA_13_Zg2zYxMAAAAlAAAAZAAAAA8BAAAAkAAAAEgAAACQAAAASAAAAAAAAAAAAAAAAAAAAAEAAABQAAAAAAAAAAAA4D8AAAAAAADgPwAAAAAAAOA/AAAAAAAA4D8AAAAAAADgPwAAAAAAAOA/AAAAAAAA4D8AAAAAAADgPwAAAAAAAOA/AAAAAAAA4D8CAAAAjAAAAAEAAAAAAAAA////CP///wgAAAAAAAAAAAAAAAAAAAAAAAAAAAAAAAAAAAAAZAAAAAEAAABAAAAAAAAAAAAAAAAAAAAAAAAAAAAAAAAAAAAAAAAAAAAAAAAAAAAAAAAAAAAAAAAAAAAAAAAAAAAAAAAAAAAAAAAAAAAAAAAAAAAAAAAAAAAAAAAAAAAAFAAAADwAAAAAAAAAAAAAAAAAAAkAAAAAAQAAAAAAAAAAAAAAAAAAAAAAAAAAAAAAZAAAAGQAAAAAAAAAZAAAAGQAAAAVAAAAYAAAAAAAAAAAAAAADwAAACADAAAAAAAAAAAAAAEAAACgMgAAAAAAAAAAAAABAAAAf39/AAEAAABkAAAAAAAAABQAAABAHwAAAAAAACYAAAAAAAAAwOD//wAAAAAmAAAAZAAAABYAAABMAAAAAAAAAAAAAAAEAAAAAAAAAAEAAACAgIAKAAAAACgAAAAoAAAAZAAAAGQAAAAAAAAAzMzMAAAAAABQAAAAUAAAAGQAAABkAAAAAAAAABcAAAAUAAAAAAAAAAAAAAD/fwAA/38AAAAAAAAJAAAABAAAAAAAAQAMAAAAEAAAAAAAAAAAAAAAAAAAAAAAAAAeAAAAaAAAAAAAAAAAAAAAAAAAAAAAAAAAAAAAECcAABAnAAAAAAAAAAAAAAAAAAAAAAAAAAAAAAAAAAAAAAAAAAAAABQAAAAAAAAAwMD/AAAAAABkAAAAMgAAAAAAAABkAAAAAAAAAH9/fwAKAAAAHwAAAFQAAAD///8B////AQAAAAAAAAAAAAAAAAAAAAAAAAAAAAAAAAAAAAAAAAAAAAAAAn9/fwCAgIADzMzMAMDA/wB/f38AAAAAAAAAAAAAAAAAAAAAAAAAAAAhAAAAGAAAABQAAAAZEgAAvQUAAA84AABeGwAAEAAAACYAAAAIAAAA//////////8="/>
               </a:ext>
             </a:extLst>
           </p:cNvSpPr>
@@ -4303,7 +4370,7 @@
             <a:picLocks noChangeAspect="1"/>
             <a:extLst>
               <a:ext uri="smNativeData">
-                <pr:smNativeData xmlns:pr="smNativeData" val="SMDATA_15_4y+yYxMAAAAlAAAAEQAAAC8BAAAAkAAAAEgAAACQAAAASAAAAAAAAAAAAAAAAAAAAAEAAABQAAAAAAAAAAAA4D8AAAAAAADgPwAAAAAAAOA/AAAAAAAA4D8AAAAAAADgPwAAAAAAAOA/AAAAAAAA4D8AAAAAAADgPwAAAAAAAOA/AAAAAAAA4D8CAAAAjAAAAAAAAAAAAAAAu+DjDP///wgAAAAAAAAAAAAAAAAAAAAAAAAAAAAAAAAAAAAAZAAAAAEAAABAAAAAAAAAAAAAAAAAAAAAAAAAAAAAAAAAAAAAAAAAAAAAAAAAAAAAAAAAAAAAAAAAAAAAAAAAAAAAAAAAAAAAAAAAAAAAAAAAAAAAAAAAAAAAAAAAAAAAFAAAADwAAAAAAAAAAAAAAAAAAAkUAAAAAQAAABQAAAAUAAAAFAAAAAEAAAAAAAAAZAAAAGQAAAAAAAAAZAAAAGQAAAAVAAAAYAAAAAAAAAAAAAAADwAAACADAAAAAAAAAAAAAAEAAACgMgAAVgcAAKr4//8BAAAAf39/AAEAAABkAAAAAAAAABQAAABAHwAAAAAAACYAAAAAAAAAwOD//wAAAAAmAAAAZAAAABYAAABMAAAAAAAAAAAAAAAEAAAAAAAAAAEAAACAgIAKAAAAACgAAAAoAAAAZAAAAGQAAAAAAAAAzMzMAAAAAABQAAAAUAAAAGQAAABkAAAAAAAAAAcAAAA4AAAAAAAAAAAAAAAAAAAA////AAAAAAAAAAAAAAAAAAAAAAAAAAAAAAAAAAAAAABkAAAAZAAAAAAAAAAjAAAABAAAAGQAAAAXAAAAFAAAAAAAAAAAAAAA/38AAP9/AAAAAAAACQAAAAQAAABcjlsODAAAABAAAAAAAAAAAAAAAAAAAAAAAAAAHgAAAGgAAAAAAAAAAAAAAAAAAAAAAAAAAAAAABAnAAAQJwAAAAAAAAAAAAAAAAAAAAAAAAAAAAAAAAAAAAAAAAAAAAAUAAAAAAAAAMDA/wAAAAAAZAAAADIAAAAAAAAAZAAAAAAAAAB/f38ACgAAAB8AAABUAAAAu+DjBf///wEAAAAAAAAAAAAAAAAAAAAAAAAAAAAAAAAAAAAAAAAAAAAAAAJ/f38AgICAA8zMzADAwP8Af39/AAAAAAAAAAAAAAAAAP///wAAAAAAIQAAABgAAAAUAAAATAUAAEwFAAC3MAAAwRcAAAAAAAAmAAAACAAAAP//////////"/>
+                <pr:smNativeData xmlns:pr="smNativeData" val="SMDATA_15_Zg2zYxMAAAAlAAAAEQAAAC8BAAAAkAAAAEgAAACQAAAASAAAAAAAAAAAAAAAAAAAAAEAAABQAAAAAAAAAAAA4D8AAAAAAADgPwAAAAAAAOA/AAAAAAAA4D8AAAAAAADgPwAAAAAAAOA/AAAAAAAA4D8AAAAAAADgPwAAAAAAAOA/AAAAAAAA4D8CAAAAjAAAAAAAAAAAAAAAu+DjDP///wgAAAAAAAAAAAAAAAAAAAAAAAAAAAAAAAAAAAAAZAAAAAEAAABAAAAAAAAAAAAAAAAAAAAAAAAAAAAAAAAAAAAAAAAAAAAAAAAAAAAAAAAAAAAAAAAAAAAAAAAAAAAAAAAAAAAAAAAAAAAAAAAAAAAAAAAAAAAAAAAAAAAAFAAAADwAAAAAAAAAAAAAAAAAAAkUAAAAAQAAABQAAAAUAAAAFAAAAAEAAAAAAAAAZAAAAGQAAAAAAAAAZAAAAGQAAAAVAAAAYAAAAAAAAAAAAAAADwAAACADAAAAAAAAAAAAAAEAAACgMgAAVgcAAKr4//8BAAAAf39/AAEAAABkAAAAAAAAABQAAABAHwAAAAAAACYAAAAAAAAAwOD//wAAAAAmAAAAZAAAABYAAABMAAAAAAAAAAAAAAAEAAAAAAAAAAEAAACAgIAKAAAAACgAAAAoAAAAZAAAAGQAAAAAAAAAzMzMAAAAAABQAAAAUAAAAGQAAABkAAAAAAAAAAcAAAA4AAAAAAAAAAAAAAAAAAAA////AAAAAAAAAAAAAAAAAAAAAAAAAAAAAAAAAAAAAABkAAAAZAAAAAAAAAAjAAAABAAAAGQAAAAXAAAAFAAAAAAAAAAAAAAA/38AAP9/AAAAAAAACQAAAAQAAABcjlsODAAAABAAAAAAAAAAAAAAAAAAAAAAAAAAHgAAAGgAAAAAAAAAAAAAAAAAAAAAAAAAAAAAABAnAAAQJwAAAAAAAAAAAAAAAAAAAAAAAAAAAAAAAAAAAAAAAAAAAAAUAAAAAAAAAMDA/wAAAAAAZAAAADIAAAAAAAAAZAAAAAAAAAB/f38ACgAAAB8AAABUAAAAu+DjBf///wEAAAAAAAAAAAAAAAAAAAAAAAAAAAAAAAAAAAAAAAAAAAAAAAJ/f38AgICAA8zMzADAwP8Af39/AAAAAAAAAAAAAAAAAP///wAAAAAAIQAAABgAAAAUAAAATAUAAEwFAAC3MAAAwRcAABAAAAAmAAAACAAAAP//////////"/>
               </a:ext>
             </a:extLst>
           </p:cNvPicPr>
@@ -5375,6 +5442,47 @@
       </a:clrScheme>
       <a:clrMap bg1="lt1" tx1="dk1" bg2="lt2" tx2="dk2" accent1="accent1" accent2="accent2" accent3="accent3" accent4="accent4" accent5="accent5" accent6="accent6" hlink="hlink" folHlink="folHlink"/>
     </a:extraClrScheme>
+    <a:extraClrScheme>
+      <a:clrScheme name="Presentation 20">
+        <a:dk1>
+          <a:srgbClr val="000000"/>
+        </a:dk1>
+        <a:lt1>
+          <a:srgbClr val="FFFFFF"/>
+        </a:lt1>
+        <a:dk2>
+          <a:srgbClr val="000000"/>
+        </a:dk2>
+        <a:lt2>
+          <a:srgbClr val="808080"/>
+        </a:lt2>
+        <a:accent1>
+          <a:srgbClr val="BBE0E3"/>
+        </a:accent1>
+        <a:accent2>
+          <a:srgbClr val="333399"/>
+        </a:accent2>
+        <a:accent3>
+          <a:srgbClr val="535379"/>
+        </a:accent3>
+        <a:accent4>
+          <a:srgbClr val="737359"/>
+        </a:accent4>
+        <a:accent5>
+          <a:srgbClr val="939339"/>
+        </a:accent5>
+        <a:accent6>
+          <a:srgbClr val="B3B319"/>
+        </a:accent6>
+        <a:hlink>
+          <a:srgbClr val="009999"/>
+        </a:hlink>
+        <a:folHlink>
+          <a:srgbClr val="99CC00"/>
+        </a:folHlink>
+      </a:clrScheme>
+      <a:clrMap bg1="lt1" tx1="dk1" bg2="lt2" tx2="dk2" accent1="accent1" accent2="accent2" accent3="accent3" accent4="accent4" accent5="accent5" accent6="accent6" hlink="hlink" folHlink="folHlink"/>
+    </a:extraClrScheme>
   </a:extraClrSchemeLst>
 </a:theme>
 </file>
--- a/images/WebFig.pptx
+++ b/images/WebFig.pptx
@@ -12,6 +12,7 @@
     <p:sldId id="259" r:id="rId10"/>
     <p:sldId id="260" r:id="rId11"/>
     <p:sldId id="261" r:id="rId12"/>
+    <p:sldId id="263" r:id="rId13"/>
   </p:sldIdLst>
   <p:sldSz cx="9144000" cy="6858000"/>
   <p:notesSz cx="6858000" cy="9144000"/>
@@ -242,7 +243,7 @@
             <a:spLocks noGrp="1" noChangeArrowheads="1"/>
             <a:extLst>
               <a:ext uri="smNativeData">
-                <pr:smNativeData xmlns:pr="smNativeData" val="SMDATA_13_Zg2zYxMAAAAlAAAAZAAAAA8BAAAAkAAAAEgAAACQAAAASAAAAAAAAAABAAAAAAAAAAEAAABQAAAAAAAAAAAA4D8AAAAAAADgPwAAAAAAAOA/AAAAAAAA4D8AAAAAAADgPwAAAAAAAOA/AAAAAAAA4D8AAAAAAADgPwAAAAAAAOA/AAAAAAAA4D8CAAAAjAAAAAAAAAAAAAAAu+DjDP///wgAAAAAAAAAAAAAAAAAAAAAAAAAAAAAAAAAAAAAZAAAAAEAAABAAAAAAAAAAAAAAAAAAAAAAAAAAAAAAAAAAAAAAAAAAAAAAAAAAAAAAAAAAAAAAAAAAAAAAAAAAAAAAAAAAAAAAAAAAAAAAAAAAAAAAAAAAAAAAAAAAAAAFAAAADwAAAAAAAAAAAAAAAAAAAkUAAAAAQAAABQAAAAUAAAAFAAAAAEAAAAAAAAAZAAAAGQAAAAAAAAAZAAAAGQAAAAVAAAAYAAAAAAAAAAAAAAADwAAACADAAAAAAAAAAAAAAEAAACgMgAAVgcAAKr4//8BAAAAf39/AAEAAABkAAAAAAAAABQAAABAHwAAAAAAACYAAAAAAAAAwOD//wAAAAAmAAAAZAAAABYAAABMAAAAAAAAAAAAAAAEAAAAAAAAAAEAAACAgIAKAAAAACgAAAAoAAAAZAAAAGQAAAAAAAAAzMzMAAAAAABQAAAAUAAAAGQAAABkAAAAAAAAABcAAAAUAAAAAAAAAAAAAAD/fwAA/38AAAAAAAAJAAAABAAAAAAAAAAMAAAAEAAAAAAAAAAAAAAAAAAAAAAAAAAeAAAAaAAAAAAAAAAAAAAAAAAAAAAAAAAAAAAAECcAABAnAAAAAAAAAAAAAAAAAAAAAAAAAAAAAAAAAAAAAAAAAAAAABQAAAAAAAAAwMD/AAAAAABkAAAAMgAAAAAAAABkAAAAAAAAAH9/fwAKAAAAHwAAAFQAAAAAAAAFAAAAAQAAAAAAAAAAAAAAAAAAAAAAAAAAAAAAAAAAAAAAAAAAAAAAAn9/fwAAAAADzMzMAMDA/wB/f38AAAAAAAAAAAAAAAAAAAAAAAAAAAAhAAAAGAAAABQAAAA4BAAAGg0AAAg0AAAmFgAAEAAAACYAAAAIAAAAAQAAAAAAAAA="/>
+                <pr:smNativeData xmlns:pr="smNativeData" val="SMDATA_13_mZ/BYxMAAAAlAAAAZAAAAA8BAAAAkAAAAEgAAACQAAAASAAAAAAAAAABAAAAAAAAAAEAAABQAAAAAAAAAAAA4D8AAAAAAADgPwAAAAAAAOA/AAAAAAAA4D8AAAAAAADgPwAAAAAAAOA/AAAAAAAA4D8AAAAAAADgPwAAAAAAAOA/AAAAAAAA4D8CAAAAjAAAAAAAAAAAAAAAu+DjDP///wgAAAAAAAAAAAAAAAAAAAAAAAAAAAAAAAAAAAAAZAAAAAEAAABAAAAAAAAAAAAAAAAAAAAAAAAAAAAAAAAAAAAAAAAAAAAAAAAAAAAAAAAAAAAAAAAAAAAAAAAAAAAAAAAAAAAAAAAAAAAAAAAAAAAAAAAAAAAAAAAAAAAAFAAAADwAAAAAAAAAAAAAAAAAAAkUAAAAAQAAABQAAAAUAAAAFAAAAAEAAAAAAAAAZAAAAGQAAAAAAAAAZAAAAGQAAAAVAAAAYAAAAAAAAAAAAAAADwAAACADAAAAAAAAAAAAAAEAAACgMgAAVgcAAKr4//8BAAAAf39/AAEAAABkAAAAAAAAABQAAABAHwAAAAAAACYAAAAAAAAAwOD//wAAAAAmAAAAZAAAABYAAABMAAAAAAAAAAAAAAAEAAAAAAAAAAEAAACAgIAKAAAAACgAAAAoAAAAZAAAAGQAAAAAAAAAzMzMAAAAAABQAAAAUAAAAGQAAABkAAAAAAAAABcAAAAUAAAAAAAAAAAAAAD/fwAA/38AAAAAAAAJAAAABAAAAAAAAAAMAAAAEAAAAAAAAAAAAAAAAAAAAAAAAAAeAAAAaAAAAAAAAAAAAAAAAAAAAAAAAAAAAAAAECcAABAnAAAAAAAAAAAAAAAAAAAAAAAAAAAAAAAAAAAAAAAAAAAAABQAAAAAAAAAwMD/AAAAAABkAAAAMgAAAAAAAABkAAAAAAAAAH9/fwAKAAAAHwAAAFQAAAAAAAAFAAAAAQAAAAAAAAAAAAAAAAAAAAAAAAAAAAAAAAAAAAAAAAAAAAAAAn9/fwAAAAADzMzMAMDA/wB/f38AAAAAAAAAAAAAAAAAAAAAAAAAAAAhAAAAGAAAABQAAAA4BAAAGg0AAAg0AAAmFgAAEAAAACYAAAAIAAAAAQAAAAAAAAA="/>
               </a:ext>
             </a:extLst>
           </p:cNvSpPr>
@@ -274,7 +275,7 @@
             <a:spLocks noGrp="1" noChangeArrowheads="1"/>
             <a:extLst>
               <a:ext uri="smNativeData">
-                <pr:smNativeData xmlns:pr="smNativeData" val="SMDATA_13_Zg2zYxMAAAAlAAAAZAAAAA8BAAAAkAAAAEgAAACQAAAASAAAAAAAAAAAAAAAAAAAAAEAAABQAAAAAAAAAAAA4D8AAAAAAADgPwAAAAAAAOA/AAAAAAAA4D8AAAAAAADgPwAAAAAAAOA/AAAAAAAA4D8AAAAAAADgPwAAAAAAAOA/AAAAAAAA4D8CAAAAjAAAAAAAAAAAAAAAu+DjDP///wgAAAAAAAAAAAAAAAAAAAAAAAAAAAAAAAAAAAAAZAAAAAEAAABAAAAAAAAAAAAAAAAAAAAAAAAAAAAAAAAAAAAAAAAAAAAAAAAAAAAAAAAAAAAAAAAAAAAAAAAAAAAAAAAAAAAAAAAAAAAAAAAAAAAAAAAAAAAAAAAAAAAAFAAAADwAAAAAAAAAAAAAAAAAAAkUAAAAAQAAABQAAAAUAAAAFAAAAAEAAAAAAAAAZAAAAGQAAAAAAAAAZAAAAGQAAAAVAAAAYAAAAAAAAAAAAAAADwAAACADAAAAAAAAAAAAAAEAAACgMgAAVgcAAKr4//8BAAAAf39/AAEAAABkAAAAAAAAABQAAABAHwAAAAAAACYAAAAAAAAAwOD//wAAAAAmAAAAZAAAABYAAABMAAAAAAAAAAAAAAAEAAAAAAAAAAEAAACAgIAKAAAAACgAAAAoAAAAZAAAAGQAAAAAAAAAzMzMAAAAAABQAAAAUAAAAGQAAABkAAAAAAAAABcAAAAUAAAAAAAAAAAAAAD/fwAA/38AAAAAAAAJAAAABAAAAAAAAAAMAAAAEAAAAAAAAAAAAAAAAAAAAAAAAAAeAAAAaAAAAAAAAAAAAAAAAAAAAAAAAAAAAAAAECcAABAnAAAAAAAAAAAAAAAAAAAAAAAAAAAAAAAAAAAAAAAAAAAAABQAAAAAAAAAwMD/AAAAAABkAAAAMgAAAAAAAABkAAAAAAAAAH9/fwAKAAAAHwAAAFQAAAAAAAAFAAAAAQAAAAAAAAAAAAAAAAAAAAAAAAAAAAAAAAAAAAAAAAAAAAAAAn9/fwAAAAADzMzMAMDA/wB/f38AAAAAAAAAAAAAAAAAAAAAAAAAAAAhAAAAGAAAABQAAABwCAAA6BcAANAvAACwIgAAEAAAACYAAAAIAAAAAYAAAAAAAAA="/>
+                <pr:smNativeData xmlns:pr="smNativeData" val="SMDATA_13_mZ/BYxMAAAAlAAAAZAAAAA8BAAAAkAAAAEgAAACQAAAASAAAAAAAAAAAAAAAAAAAAAEAAABQAAAAAAAAAAAA4D8AAAAAAADgPwAAAAAAAOA/AAAAAAAA4D8AAAAAAADgPwAAAAAAAOA/AAAAAAAA4D8AAAAAAADgPwAAAAAAAOA/AAAAAAAA4D8CAAAAjAAAAAAAAAAAAAAAu+DjDP///wgAAAAAAAAAAAAAAAAAAAAAAAAAAAAAAAAAAAAAZAAAAAEAAABAAAAAAAAAAAAAAAAAAAAAAAAAAAAAAAAAAAAAAAAAAAAAAAAAAAAAAAAAAAAAAAAAAAAAAAAAAAAAAAAAAAAAAAAAAAAAAAAAAAAAAAAAAAAAAAAAAAAAFAAAADwAAAAAAAAAAAAAAAAAAAkUAAAAAQAAABQAAAAUAAAAFAAAAAEAAAAAAAAAZAAAAGQAAAAAAAAAZAAAAGQAAAAVAAAAYAAAAAAAAAAAAAAADwAAACADAAAAAAAAAAAAAAEAAACgMgAAVgcAAKr4//8BAAAAf39/AAEAAABkAAAAAAAAABQAAABAHwAAAAAAACYAAAAAAAAAwOD//wAAAAAmAAAAZAAAABYAAABMAAAAAAAAAAAAAAAEAAAAAAAAAAEAAACAgIAKAAAAACgAAAAoAAAAZAAAAGQAAAAAAAAAzMzMAAAAAABQAAAAUAAAAGQAAABkAAAAAAAAABcAAAAUAAAAAAAAAAAAAAD/fwAA/38AAAAAAAAJAAAABAAAAAAAAAAMAAAAEAAAAAAAAAAAAAAAAAAAAAAAAAAeAAAAaAAAAAAAAAAAAAAAAAAAAAAAAAAAAAAAECcAABAnAAAAAAAAAAAAAAAAAAAAAAAAAAAAAAAAAAAAAAAAAAAAABQAAAAAAAAAwMD/AAAAAABkAAAAMgAAAAAAAABkAAAAAAAAAH9/fwAKAAAAHwAAAFQAAAAAAAAFAAAAAQAAAAAAAAAAAAAAAAAAAAAAAAAAAAAAAAAAAAAAAAAAAAAAAn9/fwAAAAADzMzMAMDA/wB/f38AAAAAAAAAAAAAAAAAAAAAAAAAAAAhAAAAGAAAABQAAABwCAAA6BcAANAvAACwIgAAEAAAACYAAAAIAAAAAYAAAAAAAAA="/>
               </a:ext>
             </a:extLst>
           </p:cNvSpPr>
@@ -334,7 +335,7 @@
             <a:spLocks noGrp="1" noChangeArrowheads="1"/>
             <a:extLst>
               <a:ext uri="smNativeData">
-                <pr:smNativeData xmlns:pr="smNativeData" val="SMDATA_13_Zg2zYxMAAAAlAAAAZAAAAA8BAAAAkAAAAEgAAACQAAAASAAAAAAAAAABAAAAAAAAAAEAAABQAAAAAAAAAAAA4D8AAAAAAADgPwAAAAAAAOA/AAAAAAAA4D8AAAAAAADgPwAAAAAAAOA/AAAAAAAA4D8AAAAAAADgPwAAAAAAAOA/AAAAAAAA4D8CAAAAjAAAAAAAAAAAAAAAu+DjDP///wgAAAAAAAAAAAAAAAAAAAAAAAAAAAAAAAAAAAAAZAAAAAEAAABAAAAAAAAAAAAAAAAAAAAAAAAAAAAAAAAAAAAAAAAAAAAAAAAAAAAAAAAAAAAAAAAAAAAAAAAAAAAAAAAAAAAAAAAAAAAAAAAAAAAAAAAAAAAAAAAAAAAAFAAAADwAAAAAAAAAAAAAAAAAAAkUAAAAAQAAABQAAAAUAAAAFAAAAAEAAAAAAAAAZAAAAGQAAAAAAAAAZAAAAGQAAAAVAAAAYAAAAAAAAAAAAAAADwAAACADAAAAAAAAAAAAAAEAAACgMgAAVgcAAKr4//8BAAAAf39/AAEAAABkAAAAAAAAABQAAABAHwAAAAAAACYAAAAAAAAAwOD//wAAAAAmAAAAZAAAABYAAABMAAAAAAAAAAAAAAAEAAAAAAAAAAEAAACAgIAKAAAAACgAAAAoAAAAZAAAAGQAAAAAAAAAzMzMAAAAAABQAAAAUAAAAGQAAABkAAAAAAAAABcAAAAUAAAAAAAAAAAAAAD/fwAA/38AAAAAAAAJAAAABAAAAAAAAAAMAAAAEAAAAAAAAAAAAAAAAAAAAAAAAAAeAAAAaAAAAAAAAAAAAAAAAAAAAAAAAAAAAAAAECcAABAnAAAAAAAAAAAAAAAAAAAAAAAAAAAAAAAAAAAAAAAAAAAAABQAAAAAAAAAwMD/AAAAAABkAAAAMgAAAAAAAABkAAAAAAAAAH9/fwAKAAAAHwAAAFQAAAAAAAAFAAAAAQAAAAAAAAAAAAAAAAAAAAAAAAAAAAAAAAAAAAAAAAAAAAAAAn9/fwAAAAADzMzMAMDA/wB/f38AAAAAAAAAAAAAAAAAAAAAAAAAAAAhAAAAGAAAABQAAADQAgAAGycAAPAPAABZKQAAEAAAACYAAAAIAAAAAAAAAAAAAAA="/>
+                <pr:smNativeData xmlns:pr="smNativeData" val="SMDATA_13_mZ/BYxMAAAAlAAAAZAAAAA8BAAAAkAAAAEgAAACQAAAASAAAAAAAAAABAAAAAAAAAAEAAABQAAAAAAAAAAAA4D8AAAAAAADgPwAAAAAAAOA/AAAAAAAA4D8AAAAAAADgPwAAAAAAAOA/AAAAAAAA4D8AAAAAAADgPwAAAAAAAOA/AAAAAAAA4D8CAAAAjAAAAAAAAAAAAAAAu+DjDP///wgAAAAAAAAAAAAAAAAAAAAAAAAAAAAAAAAAAAAAZAAAAAEAAABAAAAAAAAAAAAAAAAAAAAAAAAAAAAAAAAAAAAAAAAAAAAAAAAAAAAAAAAAAAAAAAAAAAAAAAAAAAAAAAAAAAAAAAAAAAAAAAAAAAAAAAAAAAAAAAAAAAAAFAAAADwAAAAAAAAAAAAAAAAAAAkUAAAAAQAAABQAAAAUAAAAFAAAAAEAAAAAAAAAZAAAAGQAAAAAAAAAZAAAAGQAAAAVAAAAYAAAAAAAAAAAAAAADwAAACADAAAAAAAAAAAAAAEAAACgMgAAVgcAAKr4//8BAAAAf39/AAEAAABkAAAAAAAAABQAAABAHwAAAAAAACYAAAAAAAAAwOD//wAAAAAmAAAAZAAAABYAAABMAAAAAAAAAAAAAAAEAAAAAAAAAAEAAACAgIAKAAAAACgAAAAoAAAAZAAAAGQAAAAAAAAAzMzMAAAAAABQAAAAUAAAAGQAAABkAAAAAAAAABcAAAAUAAAAAAAAAAAAAAD/fwAA/38AAAAAAAAJAAAABAAAAAAAAAAMAAAAEAAAAAAAAAAAAAAAAAAAAAAAAAAeAAAAaAAAAAAAAAAAAAAAAAAAAAAAAAAAAAAAECcAABAnAAAAAAAAAAAAAAAAAAAAAAAAAAAAAAAAAAAAAAAAAAAAABQAAAAAAAAAwMD/AAAAAABkAAAAMgAAAAAAAABkAAAAAAAAAH9/fwAKAAAAHwAAAFQAAAAAAAAFAAAAAQAAAAAAAAAAAAAAAAAAAAAAAAAAAAAAAAAAAAAAAAAAAAAAAn9/fwAAAAADzMzMAMDA/wB/f38AAAAAAAAAAAAAAAAAAAAAAAAAAAAhAAAAGAAAABQAAADQAgAAGycAAPAPAABZKQAAEAAAACYAAAAIAAAAAAAAAAAAAAA="/>
               </a:ext>
             </a:extLst>
           </p:cNvSpPr>
@@ -348,7 +349,7 @@
           <a:lstStyle/>
           <a:p>
             <a:pPr/>
-            <a:fld id="{03A9EF24-6AEE-FC19-A011-9C4CA15F56C9}" type="datetime1">
+            <a:fld id="{33B5DAF4-BADE-E02C-900D-4C7994436619}" type="datetime1">
               <a:t/>
             </a:fld>
           </a:p>
@@ -361,7 +362,7 @@
             <a:spLocks noGrp="1" noChangeArrowheads="1"/>
             <a:extLst>
               <a:ext uri="smNativeData">
-                <pr:smNativeData xmlns:pr="smNativeData" val="SMDATA_13_Zg2zYxMAAAAlAAAAZAAAAA8BAAAAkAAAAEgAAACQAAAASAAAAAAAAAABAAAAAAAAAAEAAABQAAAAAAAAAAAA4D8AAAAAAADgPwAAAAAAAOA/AAAAAAAA4D8AAAAAAADgPwAAAAAAAOA/AAAAAAAA4D8AAAAAAADgPwAAAAAAAOA/AAAAAAAA4D8CAAAAjAAAAAAAAAAAAAAAu+DjDP///wgAAAAAAAAAAAAAAAAAAAAAAAAAAAAAAAAAAAAAZAAAAAEAAABAAAAAAAAAAAAAAAAAAAAAAAAAAAAAAAAAAAAAAAAAAAAAAAAAAAAAAAAAAAAAAAAAAAAAAAAAAAAAAAAAAAAAAAAAAAAAAAAAAAAAAAAAAAAAAAAAAAAAFAAAADwAAAAAAAAAAAAAAAAAAAkUAAAAAQAAABQAAAAUAAAAFAAAAAEAAAAAAAAAZAAAAGQAAAAAAAAAZAAAAGQAAAAVAAAAYAAAAAAAAAAAAAAADwAAACADAAAAAAAAAAAAAAEAAACgMgAAVgcAAKr4//8BAAAAf39/AAEAAABkAAAAAAAAABQAAABAHwAAAAAAACYAAAAAAAAAwOD//wAAAAAmAAAAZAAAABYAAABMAAAAAAAAAAAAAAAEAAAAAAAAAAEAAACAgIAKAAAAACgAAAAoAAAAZAAAAGQAAAAAAAAAzMzMAAAAAABQAAAAUAAAAGQAAABkAAAAAAAAABcAAAAUAAAAAAAAAAAAAAD/fwAA/38AAAAAAAAJAAAABAAAAElJSf8MAAAAEAAAAAAAAAAAAAAAAAAAAAAAAAAeAAAAaAAAAAAAAAAAAAAAAAAAAAAAAAAAAAAAECcAABAnAAAAAAAAAAAAAAAAAAAAAAAAAAAAAAAAAAAAAAAAAAAAABQAAAAAAAAAwMD/AAAAAABkAAAAMgAAAAAAAABkAAAAAAAAAH9/fwAKAAAAHwAAAFQAAAAAAAAFAAAAAQAAAAAAAAAAAAAAAAAAAAAAAAAAAAAAAAAAAAAAAAAAAAAAAn9/fwAAAAADzMzMAMDA/wB/f38AAAAAAAAAAAAAAAAAAAAAAAAAAAAhAAAAGAAAABQAAAA4EwAAGycAAAglAABZKQAAEAAAACYAAAAIAAAAAAAAAAAAAAA="/>
+                <pr:smNativeData xmlns:pr="smNativeData" val="SMDATA_13_mZ/BYxMAAAAlAAAAZAAAAA8BAAAAkAAAAEgAAACQAAAASAAAAAAAAAABAAAAAAAAAAEAAABQAAAAAAAAAAAA4D8AAAAAAADgPwAAAAAAAOA/AAAAAAAA4D8AAAAAAADgPwAAAAAAAOA/AAAAAAAA4D8AAAAAAADgPwAAAAAAAOA/AAAAAAAA4D8CAAAAjAAAAAAAAAAAAAAAu+DjDP///wgAAAAAAAAAAAAAAAAAAAAAAAAAAAAAAAAAAAAAZAAAAAEAAABAAAAAAAAAAAAAAAAAAAAAAAAAAAAAAAAAAAAAAAAAAAAAAAAAAAAAAAAAAAAAAAAAAAAAAAAAAAAAAAAAAAAAAAAAAAAAAAAAAAAAAAAAAAAAAAAAAAAAFAAAADwAAAAAAAAAAAAAAAAAAAkUAAAAAQAAABQAAAAUAAAAFAAAAAEAAAAAAAAAZAAAAGQAAAAAAAAAZAAAAGQAAAAVAAAAYAAAAAAAAAAAAAAADwAAACADAAAAAAAAAAAAAAEAAACgMgAAVgcAAKr4//8BAAAAf39/AAEAAABkAAAAAAAAABQAAABAHwAAAAAAACYAAAAAAAAAwOD//wAAAAAmAAAAZAAAABYAAABMAAAAAAAAAAAAAAAEAAAAAAAAAAEAAACAgIAKAAAAACgAAAAoAAAAZAAAAGQAAAAAAAAAzMzMAAAAAABQAAAAUAAAAGQAAABkAAAAAAAAABcAAAAUAAAAAAAAAAAAAAD/fwAA/38AAAAAAAAJAAAABAAAAElJSf8MAAAAEAAAAAAAAAAAAAAAAAAAAAAAAAAeAAAAaAAAAAAAAAAAAAAAAAAAAAAAAAAAAAAAECcAABAnAAAAAAAAAAAAAAAAAAAAAAAAAAAAAAAAAAAAAAAAAAAAABQAAAAAAAAAwMD/AAAAAABkAAAAMgAAAAAAAABkAAAAAAAAAH9/fwAKAAAAHwAAAFQAAAAAAAAFAAAAAQAAAAAAAAAAAAAAAAAAAAAAAAAAAAAAAAAAAAAAAAAAAAAAAn9/fwAAAAADzMzMAMDA/wB/f38AAAAAAAAAAAAAAAAAAAAAAAAAAAAhAAAAGAAAABQAAAA4EwAAGycAAAglAABZKQAAEAAAACYAAAAIAAAAAAAAAAAAAAA="/>
               </a:ext>
             </a:extLst>
           </p:cNvSpPr>
@@ -385,7 +386,7 @@
             <a:spLocks noGrp="1" noChangeArrowheads="1"/>
             <a:extLst>
               <a:ext uri="smNativeData">
-                <pr:smNativeData xmlns:pr="smNativeData" val="SMDATA_13_Zg2zYxMAAAAlAAAAZAAAAA8BAAAAkAAAAEgAAACQAAAASAAAAAAAAAABAAAAAAAAAAEAAABQAAAAAAAAAAAA4D8AAAAAAADgPwAAAAAAAOA/AAAAAAAA4D8AAAAAAADgPwAAAAAAAOA/AAAAAAAA4D8AAAAAAADgPwAAAAAAAOA/AAAAAAAA4D8CAAAAjAAAAAAAAAAAAAAAu+DjDP///wgAAAAAAAAAAAAAAAAAAAAAAAAAAAAAAAAAAAAAZAAAAAEAAABAAAAAAAAAAAAAAAAAAAAAAAAAAAAAAAAAAAAAAAAAAAAAAAAAAAAAAAAAAAAAAAAAAAAAAAAAAAAAAAAAAAAAAAAAAAAAAAAAAAAAAAAAAAAAAAAAAAAAFAAAADwAAAAAAAAAAAAAAAAAAAkUAAAAAQAAABQAAAAUAAAAFAAAAAEAAAAAAAAAZAAAAGQAAAAAAAAAZAAAAGQAAAAVAAAAYAAAAAAAAAAAAAAADwAAACADAAAAAAAAAAAAAAEAAACgMgAAVgcAAKr4//8BAAAAf39/AAEAAABkAAAAAAAAABQAAABAHwAAAAAAACYAAAAAAAAAwOD//wAAAAAmAAAAZAAAABYAAABMAAAAAAAAAAAAAAAEAAAAAAAAAAEAAACAgIAKAAAAACgAAAAoAAAAZAAAAGQAAAAAAAAAzMzMAAAAAABQAAAAUAAAAGQAAABkAAAAAAAAABcAAAAUAAAAAAAAAAAAAAD/fwAA/38AAAAAAAAJAAAABAAAAAAAAAAMAAAAEAAAAAAAAAAAAAAAAAAAAAAAAAAeAAAAaAAAAAAAAAAAAAAAAAAAAAAAAAAAAAAAECcAABAnAAAAAAAAAAAAAAAAAAAAAAAAAAAAAAAAAAAAAAAAAAAAABQAAAAAAAAAwMD/AAAAAABkAAAAMgAAAAAAAABkAAAAAAAAAH9/fwAKAAAAHwAAAFQAAAAAAAAFAAAAAQAAAAAAAAAAAAAAAAAAAAAAAAAAAAAAAAAAAAAAAAAAAAAAAn9/fwAAAAADzMzMAMDA/wB/f38AAAAAAAAAAAAAAAAAAAAAAAAAAAAhAAAAGAAAABQAAABQKAAAGycAAHA1AABZKQAAEAAAACYAAAAIAAAAAAAAAAAAAAA="/>
+                <pr:smNativeData xmlns:pr="smNativeData" val="SMDATA_13_mZ/BYxMAAAAlAAAAZAAAAA8BAAAAkAAAAEgAAACQAAAASAAAAAAAAAABAAAAAAAAAAEAAABQAAAAAAAAAAAA4D8AAAAAAADgPwAAAAAAAOA/AAAAAAAA4D8AAAAAAADgPwAAAAAAAOA/AAAAAAAA4D8AAAAAAADgPwAAAAAAAOA/AAAAAAAA4D8CAAAAjAAAAAAAAAAAAAAAu+DjDP///wgAAAAAAAAAAAAAAAAAAAAAAAAAAAAAAAAAAAAAZAAAAAEAAABAAAAAAAAAAAAAAAAAAAAAAAAAAAAAAAAAAAAAAAAAAAAAAAAAAAAAAAAAAAAAAAAAAAAAAAAAAAAAAAAAAAAAAAAAAAAAAAAAAAAAAAAAAAAAAAAAAAAAFAAAADwAAAAAAAAAAAAAAAAAAAkUAAAAAQAAABQAAAAUAAAAFAAAAAEAAAAAAAAAZAAAAGQAAAAAAAAAZAAAAGQAAAAVAAAAYAAAAAAAAAAAAAAADwAAACADAAAAAAAAAAAAAAEAAACgMgAAVgcAAKr4//8BAAAAf39/AAEAAABkAAAAAAAAABQAAABAHwAAAAAAACYAAAAAAAAAwOD//wAAAAAmAAAAZAAAABYAAABMAAAAAAAAAAAAAAAEAAAAAAAAAAEAAACAgIAKAAAAACgAAAAoAAAAZAAAAGQAAAAAAAAAzMzMAAAAAABQAAAAUAAAAGQAAABkAAAAAAAAABcAAAAUAAAAAAAAAAAAAAD/fwAA/38AAAAAAAAJAAAABAAAAAAAAAAMAAAAEAAAAAAAAAAAAAAAAAAAAAAAAAAeAAAAaAAAAAAAAAAAAAAAAAAAAAAAAAAAAAAAECcAABAnAAAAAAAAAAAAAAAAAAAAAAAAAAAAAAAAAAAAAAAAAAAAABQAAAAAAAAAwMD/AAAAAABkAAAAMgAAAAAAAABkAAAAAAAAAH9/fwAKAAAAHwAAAFQAAAAAAAAFAAAAAQAAAAAAAAAAAAAAAAAAAAAAAAAAAAAAAAAAAAAAAAAAAAAAAn9/fwAAAAADzMzMAMDA/wB/f38AAAAAAAAAAAAAAAAAAAAAAAAAAAAhAAAAGAAAABQAAABQKAAAGycAAHA1AABZKQAAEAAAACYAAAAIAAAAAAAAAAAAAAA="/>
               </a:ext>
             </a:extLst>
           </p:cNvSpPr>
@@ -399,7 +400,7 @@
           <a:lstStyle/>
           <a:p>
             <a:pPr/>
-            <a:fld id="{03A98014-5AEE-FC76-A011-AC23CE5F56F9}" type="slidenum">
+            <a:fld id="{33B58A66-28DE-E07C-900D-DE29C443668B}" type="slidenum">
               <a:t/>
             </a:fld>
           </a:p>
@@ -437,7 +438,7 @@
             <a:spLocks noGrp="1" noChangeArrowheads="1"/>
             <a:extLst>
               <a:ext uri="smNativeData">
-                <pr:smNativeData xmlns:pr="smNativeData" val="SMDATA_13_Zg2zYxMAAAAlAAAAZAAAAA8BAAAAkAAAAEgAAACQAAAASAAAAAAAAAABAAAAAAAAAAEAAABQAAAAAAAAAAAA4D8AAAAAAADgPwAAAAAAAOA/AAAAAAAA4D8AAAAAAADgPwAAAAAAAOA/AAAAAAAA4D8AAAAAAADgPwAAAAAAAOA/AAAAAAAA4D8CAAAAjAAAAAAAAAAAAAAAu+DjDP///wgAAAAAAAAAAAAAAAAAAAAAAAAAAAAAAAAAAAAAZAAAAAEAAABAAAAAAAAAAAAAAAAAAAAAAAAAAAAAAAAAAAAAAAAAAAAAAAAAAAAAAAAAAAAAAAAAAAAAAAAAAAAAAAAAAAAAAAAAAAAAAAAAAAAAAAAAAAAAAAAAAAAAFAAAADwAAAAAAAAAAAAAAAAAAAkUAAAAAQAAABQAAAAUAAAAFAAAAAEAAAAAAAAAZAAAAGQAAAAAAAAAZAAAAGQAAAAVAAAAYAAAAAAAAAAAAAAADwAAACADAAAAAAAAAAAAAAEAAACgMgAAVgcAAKr4//8BAAAAf39/AAEAAABkAAAAAAAAABQAAABAHwAAAAAAACYAAAAAAAAAwOD//wAAAAAmAAAAZAAAABYAAABMAAAAAAAAAAAAAAAEAAAAAAAAAAEAAACAgIAKAAAAACgAAAAoAAAAZAAAAGQAAAAAAAAAzMzMAAAAAABQAAAAUAAAAGQAAABkAAAAAAAAABcAAAAUAAAAAAAAAAAAAAD/fwAA/38AAAAAAAAJAAAABAAAAAAAAAAMAAAAEAAAAAAAAAAAAAAAAAAAAAAAAAAeAAAAaAAAAAAAAAAAAAAAAAAAAAAAAAAAAAAAECcAABAnAAAAAAAAAAAAAAAAAAAAAAAAAAAAAAAAAAAAAAAAAAAAABQAAAAAAAAAwMD/AAAAAABkAAAAMgAAAAAAAABkAAAAAAAAAH9/fwAKAAAAHwAAAFQAAAAAAAAFAAAAAQAAAAAAAAAAAAAAAAAAAAAAAAAAAAAAAAAAAAAAAAAAAAAAAn9/fwAAAAADzMzMAMDA/wB/f38AAAAAAAAAAAAAAAAAAAAAAAAAAAAhAAAAGAAAABQAAADQAgAAsAEAAHA1AAC4CAAAEAAAACYAAAAIAAAAAAAAAAAAAAA="/>
+                <pr:smNativeData xmlns:pr="smNativeData" val="SMDATA_13_mZ/BYxMAAAAlAAAAZAAAAA8BAAAAkAAAAEgAAACQAAAASAAAAAAAAAABAAAAAAAAAAEAAABQAAAAAAAAAAAA4D8AAAAAAADgPwAAAAAAAOA/AAAAAAAA4D8AAAAAAADgPwAAAAAAAOA/AAAAAAAA4D8AAAAAAADgPwAAAAAAAOA/AAAAAAAA4D8CAAAAjAAAAAAAAAAAAAAAu+DjDP///wgAAAAAAAAAAAAAAAAAAAAAAAAAAAAAAAAAAAAAZAAAAAEAAABAAAAAAAAAAAAAAAAAAAAAAAAAAAAAAAAAAAAAAAAAAAAAAAAAAAAAAAAAAAAAAAAAAAAAAAAAAAAAAAAAAAAAAAAAAAAAAAAAAAAAAAAAAAAAAAAAAAAAFAAAADwAAAAAAAAAAAAAAAAAAAkUAAAAAQAAABQAAAAUAAAAFAAAAAEAAAAAAAAAZAAAAGQAAAAAAAAAZAAAAGQAAAAVAAAAYAAAAAAAAAAAAAAADwAAACADAAAAAAAAAAAAAAEAAACgMgAAVgcAAKr4//8BAAAAf39/AAEAAABkAAAAAAAAABQAAABAHwAAAAAAACYAAAAAAAAAwOD//wAAAAAmAAAAZAAAABYAAABMAAAAAAAAAAAAAAAEAAAAAAAAAAEAAACAgIAKAAAAACgAAAAoAAAAZAAAAGQAAAAAAAAAzMzMAAAAAABQAAAAUAAAAGQAAABkAAAAAAAAABcAAAAUAAAAAAAAAAAAAAD/fwAA/38AAAAAAAAJAAAABAAAAAAAAAAMAAAAEAAAAAAAAAAAAAAAAAAAAAAAAAAeAAAAaAAAAAAAAAAAAAAAAAAAAAAAAAAAAAAAECcAABAnAAAAAAAAAAAAAAAAAAAAAAAAAAAAAAAAAAAAAAAAAAAAABQAAAAAAAAAwMD/AAAAAABkAAAAMgAAAAAAAABkAAAAAAAAAH9/fwAKAAAAHwAAAFQAAAAAAAAFAAAAAQAAAAAAAAAAAAAAAAAAAAAAAAAAAAAAAAAAAAAAAAAAAAAAAn9/fwAAAAADzMzMAMDA/wB/f38AAAAAAAAAAAAAAAAAAAAAAAAAAAAhAAAAGAAAABQAAADQAgAAsAEAAHA1AAC4CAAAEAAAACYAAAAIAAAAAAAAAAAAAAA="/>
               </a:ext>
             </a:extLst>
           </p:cNvSpPr>
@@ -464,7 +465,7 @@
             <a:spLocks noGrp="1" noChangeArrowheads="1"/>
             <a:extLst>
               <a:ext uri="smNativeData">
-                <pr:smNativeData xmlns:pr="smNativeData" val="SMDATA_13_Zg2zYxMAAAAlAAAAZAAAAA8BAAAAkAAAAEgAAACQAAAASAAAAAAAAAAAAAAAAQAAAAEAAABQAAAAAAAAAAAA4D8AAAAAAADgPwAAAAAAAOA/AAAAAAAA4D8AAAAAAADgPwAAAAAAAOA/AAAAAAAA4D8AAAAAAADgPwAAAAAAAOA/AAAAAAAA4D8CAAAAjAAAAAAAAAAAAAAAu+DjDP///wgAAAAAAAAAAAAAAAAAAAAAAAAAAAAAAAAAAAAAZAAAAAEAAABAAAAAAAAAAAAAAAAAAAAAAAAAAAAAAAAAAAAAAAAAAAAAAAAAAAAAAAAAAAAAAAAAAAAAAAAAAAAAAAAAAAAAAAAAAAAAAAAAAAAAAAAAAAAAAAAAAAAAFAAAADwAAAAAAAAAAAAAAAAAAAkUAAAAAQAAABQAAAAUAAAAFAAAAAEAAAAAAAAAZAAAAGQAAAAAAAAAZAAAAGQAAAAVAAAAYAAAAAAAAAAAAAAADwAAACADAAAAAAAAAAAAAAEAAACgMgAAVgcAAKr4//8BAAAAf39/AAEAAABkAAAAAAAAABQAAABAHwAAAAAAACYAAAAAAAAAwOD//wAAAAAmAAAAZAAAABYAAABMAAAAAAAAAAAAAAAEAAAAAAAAAAEAAACAgIAKAAAAACgAAAAoAAAAZAAAAGQAAAAAAAAAzMzMAAAAAABQAAAAUAAAAGQAAABkAAAAAAAAABcAAAAUAAAAAAAAAAAAAAD/fwAA/38AAAAAAAAJAAAABAAAAAAAAAAMAAAAEAAAAAAAAAAAAAAAAAAAAAAAAAAeAAAAaAAAAAAAAAAAAAAAAAAAAAAAAAAAAAAAECcAABAnAAAAAAAAAAAAAAAAAAAAAAAAAAAAAAAAAAAAAAAAAAAAABQAAAAAAAAAwMD/AAAAAABkAAAAMgAAAAAAAABkAAAAAAAAAH9/fwAKAAAAHwAAAFQAAAAAAAAFAAAAAQAAAAAAAAAAAAAAAAAAAAAAAAAAAAAAAAAAAAAAAAAAAAAAAn9/fwAAAAADzMzMAMDA/wB/f38AAAAAAAAAAAAAAAAAAAAAAAAAAAAhAAAAGAAAABQAAADQAgAA2AkAAHA1AACwJQAAEAAAACYAAAAIAAAAAgAAAAAAAAA="/>
+                <pr:smNativeData xmlns:pr="smNativeData" val="SMDATA_13_mZ/BYxMAAAAlAAAAZAAAAA8BAAAAkAAAAEgAAACQAAAASAAAAAAAAAAAAAAAAQAAAAEAAABQAAAAAAAAAAAA4D8AAAAAAADgPwAAAAAAAOA/AAAAAAAA4D8AAAAAAADgPwAAAAAAAOA/AAAAAAAA4D8AAAAAAADgPwAAAAAAAOA/AAAAAAAA4D8CAAAAjAAAAAAAAAAAAAAAu+DjDP///wgAAAAAAAAAAAAAAAAAAAAAAAAAAAAAAAAAAAAAZAAAAAEAAABAAAAAAAAAAAAAAAAAAAAAAAAAAAAAAAAAAAAAAAAAAAAAAAAAAAAAAAAAAAAAAAAAAAAAAAAAAAAAAAAAAAAAAAAAAAAAAAAAAAAAAAAAAAAAAAAAAAAAFAAAADwAAAAAAAAAAAAAAAAAAAkUAAAAAQAAABQAAAAUAAAAFAAAAAEAAAAAAAAAZAAAAGQAAAAAAAAAZAAAAGQAAAAVAAAAYAAAAAAAAAAAAAAADwAAACADAAAAAAAAAAAAAAEAAACgMgAAVgcAAKr4//8BAAAAf39/AAEAAABkAAAAAAAAABQAAABAHwAAAAAAACYAAAAAAAAAwOD//wAAAAAmAAAAZAAAABYAAABMAAAAAAAAAAAAAAAEAAAAAAAAAAEAAACAgIAKAAAAACgAAAAoAAAAZAAAAGQAAAAAAAAAzMzMAAAAAABQAAAAUAAAAGQAAABkAAAAAAAAABcAAAAUAAAAAAAAAAAAAAD/fwAA/38AAAAAAAAJAAAABAAAAAAAAAAMAAAAEAAAAAAAAAAAAAAAAAAAAAAAAAAeAAAAaAAAAAAAAAAAAAAAAAAAAAAAAAAAAAAAECcAABAnAAAAAAAAAAAAAAAAAAAAAAAAAAAAAAAAAAAAAAAAAAAAABQAAAAAAAAAwMD/AAAAAABkAAAAMgAAAAAAAABkAAAAAAAAAH9/fwAKAAAAHwAAAFQAAAAAAAAFAAAAAQAAAAAAAAAAAAAAAAAAAAAAAAAAAAAAAAAAAAAAAAAAAAAAAn9/fwAAAAADzMzMAMDA/wB/f38AAAAAAAAAAAAAAAAAAAAAAAAAAAAhAAAAGAAAABQAAADQAgAA2AkAAHA1AACwJQAAEAAAACYAAAAIAAAAAgAAAAAAAAA="/>
               </a:ext>
             </a:extLst>
           </p:cNvSpPr>
@@ -519,7 +520,7 @@
             <a:spLocks noGrp="1" noChangeArrowheads="1"/>
             <a:extLst>
               <a:ext uri="smNativeData">
-                <pr:smNativeData xmlns:pr="smNativeData" val="SMDATA_13_Zg2zYxMAAAAlAAAAZAAAAA8BAAAAkAAAAEgAAACQAAAASAAAAAAAAAABAAAAAAAAAAEAAABQAAAAAAAAAAAA4D8AAAAAAADgPwAAAAAAAOA/AAAAAAAA4D8AAAAAAADgPwAAAAAAAOA/AAAAAAAA4D8AAAAAAADgPwAAAAAAAOA/AAAAAAAA4D8CAAAAjAAAAAAAAAAAAAAAu+DjDP///wgAAAAAAAAAAAAAAAAAAAAAAAAAAAAAAAAAAAAAZAAAAAEAAABAAAAAAAAAAAAAAAAAAAAAAAAAAAAAAAAAAAAAAAAAAAAAAAAAAAAAAAAAAAAAAAAAAAAAAAAAAAAAAAAAAAAAAAAAAAAAAAAAAAAAAAAAAAAAAAAAAAAAFAAAADwAAAAAAAAAAAAAAAAAAAkUAAAAAQAAABQAAAAUAAAAFAAAAAEAAAAAAAAAZAAAAGQAAAAAAAAAZAAAAGQAAAAVAAAAYAAAAAAAAAAAAAAADwAAACADAAAAAAAAAAAAAAEAAACgMgAAVgcAAKr4//8BAAAAf39/AAEAAABkAAAAAAAAABQAAABAHwAAAAAAACYAAAAAAAAAwOD//wAAAAAmAAAAZAAAABYAAABMAAAAAAAAAAAAAAAEAAAAAAAAAAEAAACAgIAKAAAAACgAAAAoAAAAZAAAAGQAAAAAAAAAzMzMAAAAAABQAAAAUAAAAGQAAABkAAAAAAAAABcAAAAUAAAAAAAAAAAAAAD/fwAA/38AAAAAAAAJAAAABAAAAAAAAAAMAAAAEAAAAAAAAAAAAAAAAAAAAAAAAAAeAAAAaAAAAAAAAAAAAAAAAAAAAAAAAAAAAAAAECcAABAnAAAAAAAAAAAAAAAAAAAAAAAAAAAAAAAAAAAAAAAAAAAAABQAAAAAAAAAwMD/AAAAAABkAAAAMgAAAAAAAABkAAAAAAAAAH9/fwAKAAAAHwAAAFQAAAAAAAAFAAAAAQAAAAAAAAAAAAAAAAAAAAAAAAAAAAAAAAAAAAAAAAAAAAAAAn9/fwAAAAADzMzMAMDA/wB/f38AAAAAAAAAAAAAAAAAAAAAAAAAAAAhAAAAGAAAABQAAADQAgAAGycAAPAPAABZKQAAEAAAACYAAAAIAAAAAAAAAAAAAAA="/>
+                <pr:smNativeData xmlns:pr="smNativeData" val="SMDATA_13_mZ/BYxMAAAAlAAAAZAAAAA8BAAAAkAAAAEgAAACQAAAASAAAAAAAAAABAAAAAAAAAAEAAABQAAAAAAAAAAAA4D8AAAAAAADgPwAAAAAAAOA/AAAAAAAA4D8AAAAAAADgPwAAAAAAAOA/AAAAAAAA4D8AAAAAAADgPwAAAAAAAOA/AAAAAAAA4D8CAAAAjAAAAAAAAAAAAAAAu+DjDP///wgAAAAAAAAAAAAAAAAAAAAAAAAAAAAAAAAAAAAAZAAAAAEAAABAAAAAAAAAAAAAAAAAAAAAAAAAAAAAAAAAAAAAAAAAAAAAAAAAAAAAAAAAAAAAAAAAAAAAAAAAAAAAAAAAAAAAAAAAAAAAAAAAAAAAAAAAAAAAAAAAAAAAFAAAADwAAAAAAAAAAAAAAAAAAAkUAAAAAQAAABQAAAAUAAAAFAAAAAEAAAAAAAAAZAAAAGQAAAAAAAAAZAAAAGQAAAAVAAAAYAAAAAAAAAAAAAAADwAAACADAAAAAAAAAAAAAAEAAACgMgAAVgcAAKr4//8BAAAAf39/AAEAAABkAAAAAAAAABQAAABAHwAAAAAAACYAAAAAAAAAwOD//wAAAAAmAAAAZAAAABYAAABMAAAAAAAAAAAAAAAEAAAAAAAAAAEAAACAgIAKAAAAACgAAAAoAAAAZAAAAGQAAAAAAAAAzMzMAAAAAABQAAAAUAAAAGQAAABkAAAAAAAAABcAAAAUAAAAAAAAAAAAAAD/fwAA/38AAAAAAAAJAAAABAAAAAAAAAAMAAAAEAAAAAAAAAAAAAAAAAAAAAAAAAAeAAAAaAAAAAAAAAAAAAAAAAAAAAAAAAAAAAAAECcAABAnAAAAAAAAAAAAAAAAAAAAAAAAAAAAAAAAAAAAAAAAAAAAABQAAAAAAAAAwMD/AAAAAABkAAAAMgAAAAAAAABkAAAAAAAAAH9/fwAKAAAAHwAAAFQAAAAAAAAFAAAAAQAAAAAAAAAAAAAAAAAAAAAAAAAAAAAAAAAAAAAAAAAAAAAAAn9/fwAAAAADzMzMAMDA/wB/f38AAAAAAAAAAAAAAAAAAAAAAAAAAAAhAAAAGAAAABQAAADQAgAAGycAAPAPAABZKQAAEAAAACYAAAAIAAAAAAAAAAAAAAA="/>
               </a:ext>
             </a:extLst>
           </p:cNvSpPr>
@@ -533,7 +534,7 @@
           <a:lstStyle/>
           <a:p>
             <a:pPr/>
-            <a:fld id="{03A996DF-91EE-FC60-A011-6735D85F5632}" type="datetime1">
+            <a:fld id="{33B5EF8E-C0DE-E019-900D-364CA1436663}" type="datetime1">
               <a:t/>
             </a:fld>
           </a:p>
@@ -546,7 +547,7 @@
             <a:spLocks noGrp="1" noChangeArrowheads="1"/>
             <a:extLst>
               <a:ext uri="smNativeData">
-                <pr:smNativeData xmlns:pr="smNativeData" val="SMDATA_13_Zg2zYxMAAAAlAAAAZAAAAA8BAAAAkAAAAEgAAACQAAAASAAAAAAAAAABAAAAAAAAAAEAAABQAAAAAAAAAAAA4D8AAAAAAADgPwAAAAAAAOA/AAAAAAAA4D8AAAAAAADgPwAAAAAAAOA/AAAAAAAA4D8AAAAAAADgPwAAAAAAAOA/AAAAAAAA4D8CAAAAjAAAAAAAAAAAAAAAu+DjDP///wgAAAAAAAAAAAAAAAAAAAAAAAAAAAAAAAAAAAAAZAAAAAEAAABAAAAAAAAAAAAAAAAAAAAAAAAAAAAAAAAAAAAAAAAAAAAAAAAAAAAAAAAAAAAAAAAAAAAAAAAAAAAAAAAAAAAAAAAAAAAAAAAAAAAAAAAAAAAAAAAAAAAAFAAAADwAAAAAAAAAAAAAAAAAAAkUAAAAAQAAABQAAAAUAAAAFAAAAAEAAAAAAAAAZAAAAGQAAAAAAAAAZAAAAGQAAAAVAAAAYAAAAAAAAAAAAAAADwAAACADAAAAAAAAAAAAAAEAAACgMgAAVgcAAKr4//8BAAAAf39/AAEAAABkAAAAAAAAABQAAABAHwAAAAAAACYAAAAAAAAAwOD//wAAAAAmAAAAZAAAABYAAABMAAAAAAAAAAAAAAAEAAAAAAAAAAEAAACAgIAKAAAAACgAAAAoAAAAZAAAAGQAAAAAAAAAzMzMAAAAAABQAAAAUAAAAGQAAABkAAAAAAAAABcAAAAUAAAAAAAAAAAAAAD/fwAA/38AAAAAAAAJAAAABAAAAAAAAAAMAAAAEAAAAAAAAAAAAAAAAAAAAAAAAAAeAAAAaAAAAAAAAAAAAAAAAAAAAAAAAAAAAAAAECcAABAnAAAAAAAAAAAAAAAAAAAAAAAAAAAAAAAAAAAAAAAAAAAAABQAAAAAAAAAwMD/AAAAAABkAAAAMgAAAAAAAABkAAAAAAAAAH9/fwAKAAAAHwAAAFQAAAAAAAAFAAAAAQAAAAAAAAAAAAAAAAAAAAAAAAAAAAAAAAAAAAAAAAAAAAAAAn9/fwAAAAADzMzMAMDA/wB/f38AAAAAAAAAAAAAAAAAAAAAAAAAAAAhAAAAGAAAABQAAAA4EwAAGycAAAglAABZKQAAEAAAACYAAAAIAAAAAAAAAAAAAAA="/>
+                <pr:smNativeData xmlns:pr="smNativeData" val="SMDATA_13_mZ/BYxMAAAAlAAAAZAAAAA8BAAAAkAAAAEgAAACQAAAASAAAAAAAAAABAAAAAAAAAAEAAABQAAAAAAAAAAAA4D8AAAAAAADgPwAAAAAAAOA/AAAAAAAA4D8AAAAAAADgPwAAAAAAAOA/AAAAAAAA4D8AAAAAAADgPwAAAAAAAOA/AAAAAAAA4D8CAAAAjAAAAAAAAAAAAAAAu+DjDP///wgAAAAAAAAAAAAAAAAAAAAAAAAAAAAAAAAAAAAAZAAAAAEAAABAAAAAAAAAAAAAAAAAAAAAAAAAAAAAAAAAAAAAAAAAAAAAAAAAAAAAAAAAAAAAAAAAAAAAAAAAAAAAAAAAAAAAAAAAAAAAAAAAAAAAAAAAAAAAAAAAAAAAFAAAADwAAAAAAAAAAAAAAAAAAAkUAAAAAQAAABQAAAAUAAAAFAAAAAEAAAAAAAAAZAAAAGQAAAAAAAAAZAAAAGQAAAAVAAAAYAAAAAAAAAAAAAAADwAAACADAAAAAAAAAAAAAAEAAACgMgAAVgcAAKr4//8BAAAAf39/AAEAAABkAAAAAAAAABQAAABAHwAAAAAAACYAAAAAAAAAwOD//wAAAAAmAAAAZAAAABYAAABMAAAAAAAAAAAAAAAEAAAAAAAAAAEAAACAgIAKAAAAACgAAAAoAAAAZAAAAGQAAAAAAAAAzMzMAAAAAABQAAAAUAAAAGQAAABkAAAAAAAAABcAAAAUAAAAAAAAAAAAAAD/fwAA/38AAAAAAAAJAAAABAAAAAAAAAAMAAAAEAAAAAAAAAAAAAAAAAAAAAAAAAAeAAAAaAAAAAAAAAAAAAAAAAAAAAAAAAAAAAAAECcAABAnAAAAAAAAAAAAAAAAAAAAAAAAAAAAAAAAAAAAAAAAAAAAABQAAAAAAAAAwMD/AAAAAABkAAAAMgAAAAAAAABkAAAAAAAAAH9/fwAKAAAAHwAAAFQAAAAAAAAFAAAAAQAAAAAAAAAAAAAAAAAAAAAAAAAAAAAAAAAAAAAAAAAAAAAAAn9/fwAAAAADzMzMAMDA/wB/f38AAAAAAAAAAAAAAAAAAAAAAAAAAAAhAAAAGAAAABQAAAA4EwAAGycAAAglAABZKQAAEAAAACYAAAAIAAAAAAAAAAAAAAA="/>
               </a:ext>
             </a:extLst>
           </p:cNvSpPr>
@@ -570,7 +571,7 @@
             <a:spLocks noGrp="1" noChangeArrowheads="1"/>
             <a:extLst>
               <a:ext uri="smNativeData">
-                <pr:smNativeData xmlns:pr="smNativeData" val="SMDATA_13_Zg2zYxMAAAAlAAAAZAAAAA8BAAAAkAAAAEgAAACQAAAASAAAAAAAAAABAAAAAAAAAAEAAABQAAAAAAAAAAAA4D8AAAAAAADgPwAAAAAAAOA/AAAAAAAA4D8AAAAAAADgPwAAAAAAAOA/AAAAAAAA4D8AAAAAAADgPwAAAAAAAOA/AAAAAAAA4D8CAAAAjAAAAAAAAAAAAAAAu+DjDP///wgAAAAAAAAAAAAAAAAAAAAAAAAAAAAAAAAAAAAAZAAAAAEAAABAAAAAAAAAAAAAAAAAAAAAAAAAAAAAAAAAAAAAAAAAAAAAAAAAAAAAAAAAAAAAAAAAAAAAAAAAAAAAAAAAAAAAAAAAAAAAAAAAAAAAAAAAAAAAAAAAAAAAFAAAADwAAAAAAAAAAAAAAAAAAAkUAAAAAQAAABQAAAAUAAAAFAAAAAEAAAAAAAAAZAAAAGQAAAAAAAAAZAAAAGQAAAAVAAAAYAAAAAAAAAAAAAAADwAAACADAAAAAAAAAAAAAAEAAACgMgAAVgcAAKr4//8BAAAAf39/AAEAAABkAAAAAAAAABQAAABAHwAAAAAAACYAAAAAAAAAwOD//wAAAAAmAAAAZAAAABYAAABMAAAAAAAAAAAAAAAEAAAAAAAAAAEAAACAgIAKAAAAACgAAAAoAAAAZAAAAGQAAAAAAAAAzMzMAAAAAABQAAAAUAAAAGQAAABkAAAAAAAAABcAAAAUAAAAAAAAAAAAAAD/fwAA/38AAAAAAAAJAAAABAAAAAAAAAAMAAAAEAAAAAAAAAAAAAAAAAAAAAAAAAAeAAAAaAAAAAAAAAAAAAAAAAAAAAAAAAAAAAAAECcAABAnAAAAAAAAAAAAAAAAAAAAAAAAAAAAAAAAAAAAAAAAAAAAABQAAAAAAAAAwMD/AAAAAABkAAAAMgAAAAAAAABkAAAAAAAAAH9/fwAKAAAAHwAAAFQAAAAAAAAFAAAAAQAAAAAAAAAAAAAAAAAAAAAAAAAAAAAAAAAAAAAAAAAAAAAAAn9/fwAAAAADzMzMAMDA/wB/f38AAAAAAAAAAAAAAAAAAAAAAAAAAAAhAAAAGAAAABQAAABQKAAAGycAAHA1AABZKQAAEAAAACYAAAAIAAAAAAAAAAAAAAA="/>
+                <pr:smNativeData xmlns:pr="smNativeData" val="SMDATA_13_mZ/BYxMAAAAlAAAAZAAAAA8BAAAAkAAAAEgAAACQAAAASAAAAAAAAAABAAAAAAAAAAEAAABQAAAAAAAAAAAA4D8AAAAAAADgPwAAAAAAAOA/AAAAAAAA4D8AAAAAAADgPwAAAAAAAOA/AAAAAAAA4D8AAAAAAADgPwAAAAAAAOA/AAAAAAAA4D8CAAAAjAAAAAAAAAAAAAAAu+DjDP///wgAAAAAAAAAAAAAAAAAAAAAAAAAAAAAAAAAAAAAZAAAAAEAAABAAAAAAAAAAAAAAAAAAAAAAAAAAAAAAAAAAAAAAAAAAAAAAAAAAAAAAAAAAAAAAAAAAAAAAAAAAAAAAAAAAAAAAAAAAAAAAAAAAAAAAAAAAAAAAAAAAAAAFAAAADwAAAAAAAAAAAAAAAAAAAkUAAAAAQAAABQAAAAUAAAAFAAAAAEAAAAAAAAAZAAAAGQAAAAAAAAAZAAAAGQAAAAVAAAAYAAAAAAAAAAAAAAADwAAACADAAAAAAAAAAAAAAEAAACgMgAAVgcAAKr4//8BAAAAf39/AAEAAABkAAAAAAAAABQAAABAHwAAAAAAACYAAAAAAAAAwOD//wAAAAAmAAAAZAAAABYAAABMAAAAAAAAAAAAAAAEAAAAAAAAAAEAAACAgIAKAAAAACgAAAAoAAAAZAAAAGQAAAAAAAAAzMzMAAAAAABQAAAAUAAAAGQAAABkAAAAAAAAABcAAAAUAAAAAAAAAAAAAAD/fwAA/38AAAAAAAAJAAAABAAAAAAAAAAMAAAAEAAAAAAAAAAAAAAAAAAAAAAAAAAeAAAAaAAAAAAAAAAAAAAAAAAAAAAAAAAAAAAAECcAABAnAAAAAAAAAAAAAAAAAAAAAAAAAAAAAAAAAAAAAAAAAAAAABQAAAAAAAAAwMD/AAAAAABkAAAAMgAAAAAAAABkAAAAAAAAAH9/fwAKAAAAHwAAAFQAAAAAAAAFAAAAAQAAAAAAAAAAAAAAAAAAAAAAAAAAAAAAAAAAAAAAAAAAAAAAAn9/fwAAAAADzMzMAMDA/wB/f38AAAAAAAAAAAAAAAAAAAAAAAAAAAAhAAAAGAAAABQAAABQKAAAGycAAHA1AABZKQAAEAAAACYAAAAIAAAAAAAAAAAAAAA="/>
               </a:ext>
             </a:extLst>
           </p:cNvSpPr>
@@ -584,7 +585,7 @@
           <a:lstStyle/>
           <a:p>
             <a:pPr/>
-            <a:fld id="{03A98699-D7EE-FC70-A011-2125C85F5674}" type="slidenum">
+            <a:fld id="{33B5E053-1DDE-E016-900D-EB43AE4366BE}" type="slidenum">
               <a:t/>
             </a:fld>
           </a:p>
@@ -622,7 +623,7 @@
             <a:spLocks noGrp="1" noChangeArrowheads="1"/>
             <a:extLst>
               <a:ext uri="smNativeData">
-                <pr:smNativeData xmlns:pr="smNativeData" val="SMDATA_13_Zg2zYxMAAAAlAAAAZAAAAA8BAAAAkAAAAEgAAACQAAAASAAAAAAAAAACAAAAAQAAAAEAAABQAAAAAAAAAAAA4D8AAAAAAADgPwAAAAAAAOA/AAAAAAAA4D8AAAAAAADgPwAAAAAAAOA/AAAAAAAA4D8AAAAAAADgPwAAAAAAAOA/AAAAAAAA4D8CAAAAjAAAAAAAAAAAAAAAu+DjDP///wgAAAAAAAAAAAAAAAAAAAAAAAAAAAAAAAAAAAAAZAAAAAEAAABAAAAAAAAAAAAAAAAAAAAAAAAAAAAAAAAAAAAAAAAAAAAAAAAAAAAAAAAAAAAAAAAAAAAAAAAAAAAAAAAAAAAAAAAAAAAAAAAAAAAAAAAAAAAAAAAAAAAAFAAAADwAAAAAAAAAAAAAAAAAAAkUAAAAAQAAABQAAAAUAAAAFAAAAAEAAAAAAAAAZAAAAGQAAAAAAAAAZAAAAGQAAAAVAAAAYAAAAAAAAAAAAAAADwAAACADAAAAAAAAAAAAAAEAAACgMgAAVgcAAKr4//8BAAAAf39/AAEAAABkAAAAAAAAABQAAABAHwAAAAAAACYAAAAAAAAAwOD//wAAAAAmAAAAZAAAABYAAABMAAAAAAAAAAAAAAAEAAAAAAAAAAEAAACAgIAKAAAAACgAAAAoAAAAZAAAAGQAAAAAAAAAzMzMAAAAAABQAAAAUAAAAGQAAABkAAAAAAAAABcAAAAUAAAAAAAAAAAAAAD/fwAA/38AAAAAAAAJAAAABAAAAAAAAAAMAAAAEAAAAAAAAAAAAAAAAAAAAAAAAAAeAAAAaAAAAAAAAAAAAAAAAAAAAAAAAAAAAAAAECcAABAnAAAAAAAAAAAAAAAAAAAAAAAAAAAAAAAAAAAAAAAAAAAAABQAAAAAAAAAwMD/AAAAAABkAAAAMgAAAAAAAABkAAAAAAAAAH9/fwAKAAAAHwAAAFQAAAAAAAAFAAAAAQAAAAAAAAAAAAAAAAAAAAAAAAAAAAAAAAAAAAAAAAAAAAAAAn9/fwAAAAADzMzMAMDA/wB/f38AAAAAAAAAAAAAAAAAAAAAAAAAAAAhAAAAGAAAABQAAADIKAAAsAEAAHA1AACwJQAAEAAAACYAAAAIAAAAgwAAAAAAAAA="/>
+                <pr:smNativeData xmlns:pr="smNativeData" val="SMDATA_13_mZ/BYxMAAAAlAAAAZAAAAA8BAAAAkAAAAEgAAACQAAAASAAAAAAAAAACAAAAAQAAAAEAAABQAAAAAAAAAAAA4D8AAAAAAADgPwAAAAAAAOA/AAAAAAAA4D8AAAAAAADgPwAAAAAAAOA/AAAAAAAA4D8AAAAAAADgPwAAAAAAAOA/AAAAAAAA4D8CAAAAjAAAAAAAAAAAAAAAu+DjDP///wgAAAAAAAAAAAAAAAAAAAAAAAAAAAAAAAAAAAAAZAAAAAEAAABAAAAAAAAAAAAAAAAAAAAAAAAAAAAAAAAAAAAAAAAAAAAAAAAAAAAAAAAAAAAAAAAAAAAAAAAAAAAAAAAAAAAAAAAAAAAAAAAAAAAAAAAAAAAAAAAAAAAAFAAAADwAAAAAAAAAAAAAAAAAAAkUAAAAAQAAABQAAAAUAAAAFAAAAAEAAAAAAAAAZAAAAGQAAAAAAAAAZAAAAGQAAAAVAAAAYAAAAAAAAAAAAAAADwAAACADAAAAAAAAAAAAAAEAAACgMgAAVgcAAKr4//8BAAAAf39/AAEAAABkAAAAAAAAABQAAABAHwAAAAAAACYAAAAAAAAAwOD//wAAAAAmAAAAZAAAABYAAABMAAAAAAAAAAAAAAAEAAAAAAAAAAEAAACAgIAKAAAAACgAAAAoAAAAZAAAAGQAAAAAAAAAzMzMAAAAAABQAAAAUAAAAGQAAABkAAAAAAAAABcAAAAUAAAAAAAAAAAAAAD/fwAA/38AAAAAAAAJAAAABAAAAAAAAAAMAAAAEAAAAAAAAAAAAAAAAAAAAAAAAAAeAAAAaAAAAAAAAAAAAAAAAAAAAAAAAAAAAAAAECcAABAnAAAAAAAAAAAAAAAAAAAAAAAAAAAAAAAAAAAAAAAAAAAAABQAAAAAAAAAwMD/AAAAAABkAAAAMgAAAAAAAABkAAAAAAAAAH9/fwAKAAAAHwAAAFQAAAAAAAAFAAAAAQAAAAAAAAAAAAAAAAAAAAAAAAAAAAAAAAAAAAAAAAAAAAAAAn9/fwAAAAADzMzMAMDA/wB/f38AAAAAAAAAAAAAAAAAAAAAAAAAAAAhAAAAGAAAABQAAADIKAAAsAEAAHA1AACwJQAAEAAAACYAAAAIAAAAgwAAAAAAAAA="/>
               </a:ext>
             </a:extLst>
           </p:cNvSpPr>
@@ -658,7 +659,7 @@
             <a:spLocks noGrp="1" noChangeArrowheads="1"/>
             <a:extLst>
               <a:ext uri="smNativeData">
-                <pr:smNativeData xmlns:pr="smNativeData" val="SMDATA_13_Zg2zYxMAAAAlAAAAZAAAAA8BAAAAkAAAAEgAAACQAAAASAAAAAAAAAAAAAAAAQAAAAEAAABQAAAAAAAAAAAA4D8AAAAAAADgPwAAAAAAAOA/AAAAAAAA4D8AAAAAAADgPwAAAAAAAOA/AAAAAAAA4D8AAAAAAADgPwAAAAAAAOA/AAAAAAAA4D8CAAAAjAAAAAAAAAAAAAAAu+DjDP///wgAAAAAAAAAAAAAAAAAAAAAAAAAAAAAAAAAAAAAZAAAAAEAAABAAAAAAAAAAAAAAAAAAAAAAAAAAAAAAAAAAAAAAAAAAAAAAAAAAAAAAAAAAAAAAAAAAAAAAAAAAAAAAAAAAAAAAAAAAAAAAAAAAAAAAAAAAAAAAAAAAAAAFAAAADwAAAAAAAAAAAAAAAAAAAkUAAAAAQAAABQAAAAUAAAAFAAAAAEAAAAAAAAAZAAAAGQAAAAAAAAAZAAAAGQAAAAVAAAAYAAAAAAAAAAAAAAADwAAACADAAAAAAAAAAAAAAEAAACgMgAAVgcAAKr4//8BAAAAf39/AAEAAABkAAAAAAAAABQAAABAHwAAAAAAACYAAAAAAAAAwOD//wAAAAAmAAAAZAAAABYAAABMAAAAAAAAAAAAAAAEAAAAAAAAAAEAAACAgIAKAAAAACgAAAAoAAAAZAAAAGQAAAAAAAAAzMzMAAAAAABQAAAAUAAAAGQAAABkAAAAAAAAABcAAAAUAAAAAAAAAAAAAAD/fwAA/38AAAAAAAAJAAAABAAAAAAAAAAMAAAAEAAAAAAAAAAAAAAAAAAAAAAAAAAeAAAAaAAAAAAAAAAAAAAAAAAAAAAAAAAAAAAAECcAABAnAAAAAAAAAAAAAAAAAAAAAAAAAAAAAAAAAAAAAAAAAAAAABQAAAAAAAAAwMD/AAAAAABkAAAAMgAAAAAAAABkAAAAAAAAAH9/fwAKAAAAHwAAAFQAAAAAAAAFAAAAAQAAAAAAAAAAAAAAAAAAAAAAAAAAAAAAAAAAAAAAAAAAAAAAAn9/fwAAAAADzMzMAMDA/wB/f38AAAAAAAAAAAAAAAAAAAAAAAAAAAAhAAAAGAAAABQAAADQAgAAsAEAANgnAACwJQAAEAAAACYAAAAIAAAAAwAAAAAAAAA="/>
+                <pr:smNativeData xmlns:pr="smNativeData" val="SMDATA_13_mZ/BYxMAAAAlAAAAZAAAAA8BAAAAkAAAAEgAAACQAAAASAAAAAAAAAAAAAAAAQAAAAEAAABQAAAAAAAAAAAA4D8AAAAAAADgPwAAAAAAAOA/AAAAAAAA4D8AAAAAAADgPwAAAAAAAOA/AAAAAAAA4D8AAAAAAADgPwAAAAAAAOA/AAAAAAAA4D8CAAAAjAAAAAAAAAAAAAAAu+DjDP///wgAAAAAAAAAAAAAAAAAAAAAAAAAAAAAAAAAAAAAZAAAAAEAAABAAAAAAAAAAAAAAAAAAAAAAAAAAAAAAAAAAAAAAAAAAAAAAAAAAAAAAAAAAAAAAAAAAAAAAAAAAAAAAAAAAAAAAAAAAAAAAAAAAAAAAAAAAAAAAAAAAAAAFAAAADwAAAAAAAAAAAAAAAAAAAkUAAAAAQAAABQAAAAUAAAAFAAAAAEAAAAAAAAAZAAAAGQAAAAAAAAAZAAAAGQAAAAVAAAAYAAAAAAAAAAAAAAADwAAACADAAAAAAAAAAAAAAEAAACgMgAAVgcAAKr4//8BAAAAf39/AAEAAABkAAAAAAAAABQAAABAHwAAAAAAACYAAAAAAAAAwOD//wAAAAAmAAAAZAAAABYAAABMAAAAAAAAAAAAAAAEAAAAAAAAAAEAAACAgIAKAAAAACgAAAAoAAAAZAAAAGQAAAAAAAAAzMzMAAAAAABQAAAAUAAAAGQAAABkAAAAAAAAABcAAAAUAAAAAAAAAAAAAAD/fwAA/38AAAAAAAAJAAAABAAAAAAAAAAMAAAAEAAAAAAAAAAAAAAAAAAAAAAAAAAeAAAAaAAAAAAAAAAAAAAAAAAAAAAAAAAAAAAAECcAABAnAAAAAAAAAAAAAAAAAAAAAAAAAAAAAAAAAAAAAAAAAAAAABQAAAAAAAAAwMD/AAAAAABkAAAAMgAAAAAAAABkAAAAAAAAAH9/fwAKAAAAHwAAAFQAAAAAAAAFAAAAAQAAAAAAAAAAAAAAAAAAAAAAAAAAAAAAAAAAAAAAAAAAAAAAAn9/fwAAAAADzMzMAMDA/wB/f38AAAAAAAAAAAAAAAAAAAAAAAAAAAAhAAAAGAAAABQAAADQAgAAsAEAANgnAACwJQAAEAAAACYAAAAIAAAAAwAAAAAAAAA="/>
               </a:ext>
             </a:extLst>
           </p:cNvSpPr>
@@ -718,7 +719,7 @@
             <a:spLocks noGrp="1" noChangeArrowheads="1"/>
             <a:extLst>
               <a:ext uri="smNativeData">
-                <pr:smNativeData xmlns:pr="smNativeData" val="SMDATA_13_Zg2zYxMAAAAlAAAAZAAAAA8BAAAAkAAAAEgAAACQAAAASAAAAAAAAAABAAAAAAAAAAEAAABQAAAAAAAAAAAA4D8AAAAAAADgPwAAAAAAAOA/AAAAAAAA4D8AAAAAAADgPwAAAAAAAOA/AAAAAAAA4D8AAAAAAADgPwAAAAAAAOA/AAAAAAAA4D8CAAAAjAAAAAAAAAAAAAAAu+DjDP///wgAAAAAAAAAAAAAAAAAAAAAAAAAAAAAAAAAAAAAZAAAAAEAAABAAAAAAAAAAAAAAAAAAAAAAAAAAAAAAAAAAAAAAAAAAAAAAAAAAAAAAAAAAAAAAAAAAAAAAAAAAAAAAAAAAAAAAAAAAAAAAAAAAAAAAAAAAAAAAAAAAAAAFAAAADwAAAAAAAAAAAAAAAAAAAkUAAAAAQAAABQAAAAUAAAAFAAAAAEAAAAAAAAAZAAAAGQAAAAAAAAAZAAAAGQAAAAVAAAAYAAAAAAAAAAAAAAADwAAACADAAAAAAAAAAAAAAEAAACgMgAAVgcAAKr4//8BAAAAf39/AAEAAABkAAAAAAAAABQAAABAHwAAAAAAACYAAAAAAAAAwOD//wAAAAAmAAAAZAAAABYAAABMAAAAAAAAAAAAAAAEAAAAAAAAAAEAAACAgIAKAAAAACgAAAAoAAAAZAAAAGQAAAAAAAAAzMzMAAAAAABQAAAAUAAAAGQAAABkAAAAAAAAABcAAAAUAAAAAAAAAAAAAAD/fwAA/38AAAAAAAAJAAAABAAAAAAAAAAMAAAAEAAAAAAAAAAAAAAAAAAAAAAAAAAeAAAAaAAAAAAAAAAAAAAAAAAAAAAAAAAAAAAAECcAABAnAAAAAAAAAAAAAAAAAAAAAAAAAAAAAAAAAAAAAAAAAAAAABQAAAAAAAAAwMD/AAAAAABkAAAAMgAAAAAAAABkAAAAAAAAAH9/fwAKAAAAHwAAAFQAAAAAAAAFAAAAAQAAAAAAAAAAAAAAAAAAAAAAAAAAAAAAAAAAAAAAAAAAAAAAAn9/fwAAAAADzMzMAMDA/wB/f38AAAAAAAAAAAAAAAAAAAAAAAAAAAAhAAAAGAAAABQAAADQAgAAGycAAPAPAABZKQAAEAAAACYAAAAIAAAAAAAAAAAAAAA="/>
+                <pr:smNativeData xmlns:pr="smNativeData" val="SMDATA_13_mZ/BYxMAAAAlAAAAZAAAAA8BAAAAkAAAAEgAAACQAAAASAAAAAAAAAABAAAAAAAAAAEAAABQAAAAAAAAAAAA4D8AAAAAAADgPwAAAAAAAOA/AAAAAAAA4D8AAAAAAADgPwAAAAAAAOA/AAAAAAAA4D8AAAAAAADgPwAAAAAAAOA/AAAAAAAA4D8CAAAAjAAAAAAAAAAAAAAAu+DjDP///wgAAAAAAAAAAAAAAAAAAAAAAAAAAAAAAAAAAAAAZAAAAAEAAABAAAAAAAAAAAAAAAAAAAAAAAAAAAAAAAAAAAAAAAAAAAAAAAAAAAAAAAAAAAAAAAAAAAAAAAAAAAAAAAAAAAAAAAAAAAAAAAAAAAAAAAAAAAAAAAAAAAAAFAAAADwAAAAAAAAAAAAAAAAAAAkUAAAAAQAAABQAAAAUAAAAFAAAAAEAAAAAAAAAZAAAAGQAAAAAAAAAZAAAAGQAAAAVAAAAYAAAAAAAAAAAAAAADwAAACADAAAAAAAAAAAAAAEAAACgMgAAVgcAAKr4//8BAAAAf39/AAEAAABkAAAAAAAAABQAAABAHwAAAAAAACYAAAAAAAAAwOD//wAAAAAmAAAAZAAAABYAAABMAAAAAAAAAAAAAAAEAAAAAAAAAAEAAACAgIAKAAAAACgAAAAoAAAAZAAAAGQAAAAAAAAAzMzMAAAAAABQAAAAUAAAAGQAAABkAAAAAAAAABcAAAAUAAAAAAAAAAAAAAD/fwAA/38AAAAAAAAJAAAABAAAAAAAAAAMAAAAEAAAAAAAAAAAAAAAAAAAAAAAAAAeAAAAaAAAAAAAAAAAAAAAAAAAAAAAAAAAAAAAECcAABAnAAAAAAAAAAAAAAAAAAAAAAAAAAAAAAAAAAAAAAAAAAAAABQAAAAAAAAAwMD/AAAAAABkAAAAMgAAAAAAAABkAAAAAAAAAH9/fwAKAAAAHwAAAFQAAAAAAAAFAAAAAQAAAAAAAAAAAAAAAAAAAAAAAAAAAAAAAAAAAAAAAAAAAAAAAn9/fwAAAAADzMzMAMDA/wB/f38AAAAAAAAAAAAAAAAAAAAAAAAAAAAhAAAAGAAAABQAAADQAgAAGycAAPAPAABZKQAAEAAAACYAAAAIAAAAAAAAAAAAAAA="/>
               </a:ext>
             </a:extLst>
           </p:cNvSpPr>
@@ -732,7 +733,7 @@
           <a:lstStyle/>
           <a:p>
             <a:pPr/>
-            <a:fld id="{03A9F021-6FEE-FC06-A011-9953BE5F56CC}" type="datetime1">
+            <a:fld id="{33B5F837-79DE-E00E-900D-8F5BB64366DA}" type="datetime1">
               <a:t/>
             </a:fld>
           </a:p>
@@ -745,7 +746,7 @@
             <a:spLocks noGrp="1" noChangeArrowheads="1"/>
             <a:extLst>
               <a:ext uri="smNativeData">
-                <pr:smNativeData xmlns:pr="smNativeData" val="SMDATA_13_Zg2zYxMAAAAlAAAAZAAAAA8BAAAAkAAAAEgAAACQAAAASAAAAAAAAAABAAAAAAAAAAEAAABQAAAAAAAAAAAA4D8AAAAAAADgPwAAAAAAAOA/AAAAAAAA4D8AAAAAAADgPwAAAAAAAOA/AAAAAAAA4D8AAAAAAADgPwAAAAAAAOA/AAAAAAAA4D8CAAAAjAAAAAAAAAAAAAAAu+DjDP///wgAAAAAAAAAAAAAAAAAAAAAAAAAAAAAAAAAAAAAZAAAAAEAAABAAAAAAAAAAAAAAAAAAAAAAAAAAAAAAAAAAAAAAAAAAAAAAAAAAAAAAAAAAAAAAAAAAAAAAAAAAAAAAAAAAAAAAAAAAAAAAAAAAAAAAAAAAAAAAAAAAAAAFAAAADwAAAAAAAAAAAAAAAAAAAkUAAAAAQAAABQAAAAUAAAAFAAAAAEAAAAAAAAAZAAAAGQAAAAAAAAAZAAAAGQAAAAVAAAAYAAAAAAAAAAAAAAADwAAACADAAAAAAAAAAAAAAEAAACgMgAAVgcAAKr4//8BAAAAf39/AAEAAABkAAAAAAAAABQAAABAHwAAAAAAACYAAAAAAAAAwOD//wAAAAAmAAAAZAAAABYAAABMAAAAAAAAAAAAAAAEAAAAAAAAAAEAAACAgIAKAAAAACgAAAAoAAAAZAAAAGQAAAAAAAAAzMzMAAAAAABQAAAAUAAAAGQAAABkAAAAAAAAABcAAAAUAAAAAAAAAAAAAAD/fwAA/38AAAAAAAAJAAAABAAAAAAAAAAMAAAAEAAAAAAAAAAAAAAAAAAAAAAAAAAeAAAAaAAAAAAAAAAAAAAAAAAAAAAAAAAAAAAAECcAABAnAAAAAAAAAAAAAAAAAAAAAAAAAAAAAAAAAAAAAAAAAAAAABQAAAAAAAAAwMD/AAAAAABkAAAAMgAAAAAAAABkAAAAAAAAAH9/fwAKAAAAHwAAAFQAAAAAAAAFAAAAAQAAAAAAAAAAAAAAAAAAAAAAAAAAAAAAAAAAAAAAAAAAAAAAAn9/fwAAAAADzMzMAMDA/wB/f38AAAAAAAAAAAAAAAAAAAAAAAAAAAAhAAAAGAAAABQAAAA4EwAAGycAAAglAABZKQAAEAAAACYAAAAIAAAAAAAAAAAAAAA="/>
+                <pr:smNativeData xmlns:pr="smNativeData" val="SMDATA_13_mZ/BYxMAAAAlAAAAZAAAAA8BAAAAkAAAAEgAAACQAAAASAAAAAAAAAABAAAAAAAAAAEAAABQAAAAAAAAAAAA4D8AAAAAAADgPwAAAAAAAOA/AAAAAAAA4D8AAAAAAADgPwAAAAAAAOA/AAAAAAAA4D8AAAAAAADgPwAAAAAAAOA/AAAAAAAA4D8CAAAAjAAAAAAAAAAAAAAAu+DjDP///wgAAAAAAAAAAAAAAAAAAAAAAAAAAAAAAAAAAAAAZAAAAAEAAABAAAAAAAAAAAAAAAAAAAAAAAAAAAAAAAAAAAAAAAAAAAAAAAAAAAAAAAAAAAAAAAAAAAAAAAAAAAAAAAAAAAAAAAAAAAAAAAAAAAAAAAAAAAAAAAAAAAAAFAAAADwAAAAAAAAAAAAAAAAAAAkUAAAAAQAAABQAAAAUAAAAFAAAAAEAAAAAAAAAZAAAAGQAAAAAAAAAZAAAAGQAAAAVAAAAYAAAAAAAAAAAAAAADwAAACADAAAAAAAAAAAAAAEAAACgMgAAVgcAAKr4//8BAAAAf39/AAEAAABkAAAAAAAAABQAAABAHwAAAAAAACYAAAAAAAAAwOD//wAAAAAmAAAAZAAAABYAAABMAAAAAAAAAAAAAAAEAAAAAAAAAAEAAACAgIAKAAAAACgAAAAoAAAAZAAAAGQAAAAAAAAAzMzMAAAAAABQAAAAUAAAAGQAAABkAAAAAAAAABcAAAAUAAAAAAAAAAAAAAD/fwAA/38AAAAAAAAJAAAABAAAAAAAAAAMAAAAEAAAAAAAAAAAAAAAAAAAAAAAAAAeAAAAaAAAAAAAAAAAAAAAAAAAAAAAAAAAAAAAECcAABAnAAAAAAAAAAAAAAAAAAAAAAAAAAAAAAAAAAAAAAAAAAAAABQAAAAAAAAAwMD/AAAAAABkAAAAMgAAAAAAAABkAAAAAAAAAH9/fwAKAAAAHwAAAFQAAAAAAAAFAAAAAQAAAAAAAAAAAAAAAAAAAAAAAAAAAAAAAAAAAAAAAAAAAAAAAn9/fwAAAAADzMzMAMDA/wB/f38AAAAAAAAAAAAAAAAAAAAAAAAAAAAhAAAAGAAAABQAAAA4EwAAGycAAAglAABZKQAAEAAAACYAAAAIAAAAAAAAAAAAAAA="/>
               </a:ext>
             </a:extLst>
           </p:cNvSpPr>
@@ -769,7 +770,7 @@
             <a:spLocks noGrp="1" noChangeArrowheads="1"/>
             <a:extLst>
               <a:ext uri="smNativeData">
-                <pr:smNativeData xmlns:pr="smNativeData" val="SMDATA_13_Zg2zYxMAAAAlAAAAZAAAAA8BAAAAkAAAAEgAAACQAAAASAAAAAAAAAABAAAAAAAAAAEAAABQAAAAAAAAAAAA4D8AAAAAAADgPwAAAAAAAOA/AAAAAAAA4D8AAAAAAADgPwAAAAAAAOA/AAAAAAAA4D8AAAAAAADgPwAAAAAAAOA/AAAAAAAA4D8CAAAAjAAAAAAAAAAAAAAAu+DjDP///wgAAAAAAAAAAAAAAAAAAAAAAAAAAAAAAAAAAAAAZAAAAAEAAABAAAAAAAAAAAAAAAAAAAAAAAAAAAAAAAAAAAAAAAAAAAAAAAAAAAAAAAAAAAAAAAAAAAAAAAAAAAAAAAAAAAAAAAAAAAAAAAAAAAAAAAAAAAAAAAAAAAAAFAAAADwAAAAAAAAAAAAAAAAAAAkUAAAAAQAAABQAAAAUAAAAFAAAAAEAAAAAAAAAZAAAAGQAAAAAAAAAZAAAAGQAAAAVAAAAYAAAAAAAAAAAAAAADwAAACADAAAAAAAAAAAAAAEAAACgMgAAVgcAAKr4//8BAAAAf39/AAEAAABkAAAAAAAAABQAAABAHwAAAAAAACYAAAAAAAAAwOD//wAAAAAmAAAAZAAAABYAAABMAAAAAAAAAAAAAAAEAAAAAAAAAAEAAACAgIAKAAAAACgAAAAoAAAAZAAAAGQAAAAAAAAAzMzMAAAAAABQAAAAUAAAAGQAAABkAAAAAAAAABcAAAAUAAAAAAAAAAAAAAD/fwAA/38AAAAAAAAJAAAABAAAAAAAAAAMAAAAEAAAAAAAAAAAAAAAAAAAAAAAAAAeAAAAaAAAAAAAAAAAAAAAAAAAAAAAAAAAAAAAECcAABAnAAAAAAAAAAAAAAAAAAAAAAAAAAAAAAAAAAAAAAAAAAAAABQAAAAAAAAAwMD/AAAAAABkAAAAMgAAAAAAAABkAAAAAAAAAH9/fwAKAAAAHwAAAFQAAAAAAAAFAAAAAQAAAAAAAAAAAAAAAAAAAAAAAAAAAAAAAAAAAAAAAAAAAAAAAn9/fwAAAAADzMzMAMDA/wB/f38AAAAAAAAAAAAAAAAAAAAAAAAAAAAhAAAAGAAAABQAAABQKAAAGycAAHA1AABZKQAAEAAAACYAAAAIAAAAAAAAAAAAAAA="/>
+                <pr:smNativeData xmlns:pr="smNativeData" val="SMDATA_13_mZ/BYxMAAAAlAAAAZAAAAA8BAAAAkAAAAEgAAACQAAAASAAAAAAAAAABAAAAAAAAAAEAAABQAAAAAAAAAAAA4D8AAAAAAADgPwAAAAAAAOA/AAAAAAAA4D8AAAAAAADgPwAAAAAAAOA/AAAAAAAA4D8AAAAAAADgPwAAAAAAAOA/AAAAAAAA4D8CAAAAjAAAAAAAAAAAAAAAu+DjDP///wgAAAAAAAAAAAAAAAAAAAAAAAAAAAAAAAAAAAAAZAAAAAEAAABAAAAAAAAAAAAAAAAAAAAAAAAAAAAAAAAAAAAAAAAAAAAAAAAAAAAAAAAAAAAAAAAAAAAAAAAAAAAAAAAAAAAAAAAAAAAAAAAAAAAAAAAAAAAAAAAAAAAAFAAAADwAAAAAAAAAAAAAAAAAAAkUAAAAAQAAABQAAAAUAAAAFAAAAAEAAAAAAAAAZAAAAGQAAAAAAAAAZAAAAGQAAAAVAAAAYAAAAAAAAAAAAAAADwAAACADAAAAAAAAAAAAAAEAAACgMgAAVgcAAKr4//8BAAAAf39/AAEAAABkAAAAAAAAABQAAABAHwAAAAAAACYAAAAAAAAAwOD//wAAAAAmAAAAZAAAABYAAABMAAAAAAAAAAAAAAAEAAAAAAAAAAEAAACAgIAKAAAAACgAAAAoAAAAZAAAAGQAAAAAAAAAzMzMAAAAAABQAAAAUAAAAGQAAABkAAAAAAAAABcAAAAUAAAAAAAAAAAAAAD/fwAA/38AAAAAAAAJAAAABAAAAAAAAAAMAAAAEAAAAAAAAAAAAAAAAAAAAAAAAAAeAAAAaAAAAAAAAAAAAAAAAAAAAAAAAAAAAAAAECcAABAnAAAAAAAAAAAAAAAAAAAAAAAAAAAAAAAAAAAAAAAAAAAAABQAAAAAAAAAwMD/AAAAAABkAAAAMgAAAAAAAABkAAAAAAAAAH9/fwAKAAAAHwAAAFQAAAAAAAAFAAAAAQAAAAAAAAAAAAAAAAAAAAAAAAAAAAAAAAAAAAAAAAAAAAAAAn9/fwAAAAADzMzMAMDA/wB/f38AAAAAAAAAAAAAAAAAAAAAAAAAAAAhAAAAGAAAABQAAABQKAAAGycAAHA1AABZKQAAEAAAACYAAAAIAAAAAAAAAAAAAAA="/>
               </a:ext>
             </a:extLst>
           </p:cNvSpPr>
@@ -783,7 +784,7 @@
           <a:lstStyle/>
           <a:p>
             <a:pPr/>
-            <a:fld id="{03A9E746-08EE-FC11-A011-FE44A95F56AB}" type="slidenum">
+            <a:fld id="{33B5D2E2-ACDE-E024-900D-5A719C43660F}" type="slidenum">
               <a:t/>
             </a:fld>
           </a:p>
@@ -821,7 +822,7 @@
             <a:spLocks noGrp="1" noChangeArrowheads="1"/>
             <a:extLst>
               <a:ext uri="smNativeData">
-                <pr:smNativeData xmlns:pr="smNativeData" val="SMDATA_13_Zg2zYxMAAAAlAAAAZAAAAA8BAAAAkAAAAEgAAACQAAAASAAAAAAAAAABAAAAAAAAAAEAAABQAAAAAAAAAAAA4D8AAAAAAADgPwAAAAAAAOA/AAAAAAAA4D8AAAAAAADgPwAAAAAAAOA/AAAAAAAA4D8AAAAAAADgPwAAAAAAAOA/AAAAAAAA4D8CAAAAjAAAAAAAAAAAAAAAu+DjDP///wgAAAAAAAAAAAAAAAAAAAAAAAAAAAAAAAAAAAAAZAAAAAEAAABAAAAAAAAAAAAAAAAAAAAAAAAAAAAAAAAAAAAAAAAAAAAAAAAAAAAAAAAAAAAAAAAAAAAAAAAAAAAAAAAAAAAAAAAAAAAAAAAAAAAAAAAAAAAAAAAAAAAAFAAAADwAAAAAAAAAAAAAAAAAAAkUAAAAAQAAABQAAAAUAAAAFAAAAAEAAAAAAAAAZAAAAGQAAAAAAAAAZAAAAGQAAAAVAAAAYAAAAAAAAAAAAAAADwAAACADAAAAAAAAAAAAAAEAAACgMgAAVgcAAKr4//8BAAAAf39/AAEAAABkAAAAAAAAABQAAABAHwAAAAAAACYAAAAAAAAAwOD//wAAAAAmAAAAZAAAABYAAABMAAAAAAAAAAAAAAAEAAAAAAAAAAEAAACAgIAKAAAAACgAAAAoAAAAZAAAAGQAAAAAAAAAzMzMAAAAAABQAAAAUAAAAGQAAABkAAAAAAAAABcAAAAUAAAAAAAAAAAAAAD/fwAA/38AAAAAAAAJAAAABAAAAE4AbwAMAAAAEAAAAAAAAAAAAAAAAAAAAAAAAAAeAAAAaAAAAAAAAAAAAAAAAAAAAAAAAAAAAAAAECcAABAnAAAAAAAAAAAAAAAAAAAAAAAAAAAAAAAAAAAAAAAAAAAAABQAAAAAAAAAwMD/AAAAAABkAAAAMgAAAAAAAABkAAAAAAAAAH9/fwAKAAAAHwAAAFQAAAAAAAAFAAAAAQAAAAAAAAAAAAAAAAAAAAAAAAAAAAAAAAAAAAAAAAAAAAAAAn9/fwAAAAADzMzMAMDA/wB/f38AAAAAAAAAAAAAAAAAAAAAAAAAAAAhAAAAGAAAABQAAADQAgAAsAEAAHA1AAC4CAAAEAAAACYAAAAIAAAAAAAAAAAAAAA="/>
+                <pr:smNativeData xmlns:pr="smNativeData" val="SMDATA_13_mZ/BYxMAAAAlAAAAZAAAAA8BAAAAkAAAAEgAAACQAAAASAAAAAAAAAABAAAAAAAAAAEAAABQAAAAAAAAAAAA4D8AAAAAAADgPwAAAAAAAOA/AAAAAAAA4D8AAAAAAADgPwAAAAAAAOA/AAAAAAAA4D8AAAAAAADgPwAAAAAAAOA/AAAAAAAA4D8CAAAAjAAAAAAAAAAAAAAAu+DjDP///wgAAAAAAAAAAAAAAAAAAAAAAAAAAAAAAAAAAAAAZAAAAAEAAABAAAAAAAAAAAAAAAAAAAAAAAAAAAAAAAAAAAAAAAAAAAAAAAAAAAAAAAAAAAAAAAAAAAAAAAAAAAAAAAAAAAAAAAAAAAAAAAAAAAAAAAAAAAAAAAAAAAAAFAAAADwAAAAAAAAAAAAAAAAAAAkUAAAAAQAAABQAAAAUAAAAFAAAAAEAAAAAAAAAZAAAAGQAAAAAAAAAZAAAAGQAAAAVAAAAYAAAAAAAAAAAAAAADwAAACADAAAAAAAAAAAAAAEAAACgMgAAVgcAAKr4//8BAAAAf39/AAEAAABkAAAAAAAAABQAAABAHwAAAAAAACYAAAAAAAAAwOD//wAAAAAmAAAAZAAAABYAAABMAAAAAAAAAAAAAAAEAAAAAAAAAAEAAACAgIAKAAAAACgAAAAoAAAAZAAAAGQAAAAAAAAAzMzMAAAAAABQAAAAUAAAAGQAAABkAAAAAAAAABcAAAAUAAAAAAAAAAAAAAD/fwAA/38AAAAAAAAJAAAABAAAAE4AbwAMAAAAEAAAAAAAAAAAAAAAAAAAAAAAAAAeAAAAaAAAAAAAAAAAAAAAAAAAAAAAAAAAAAAAECcAABAnAAAAAAAAAAAAAAAAAAAAAAAAAAAAAAAAAAAAAAAAAAAAABQAAAAAAAAAwMD/AAAAAABkAAAAMgAAAAAAAABkAAAAAAAAAH9/fwAKAAAAHwAAAFQAAAAAAAAFAAAAAQAAAAAAAAAAAAAAAAAAAAAAAAAAAAAAAAAAAAAAAAAAAAAAAn9/fwAAAAADzMzMAMDA/wB/f38AAAAAAAAAAAAAAAAAAAAAAAAAAAAhAAAAGAAAABQAAADQAgAAsAEAAHA1AAC4CAAAEAAAACYAAAAIAAAAAAAAAAAAAAA="/>
               </a:ext>
             </a:extLst>
           </p:cNvSpPr>
@@ -848,7 +849,7 @@
             <a:spLocks noGrp="1" noChangeArrowheads="1"/>
             <a:extLst>
               <a:ext uri="smNativeData">
-                <pr:smNativeData xmlns:pr="smNativeData" val="SMDATA_13_Zg2zYxMAAAAlAAAAZAAAAA8BAAAAkAAAAEgAAACQAAAASAAAAAAAAAAAAAAAAAAAAAEAAABQAAAAAAAAAAAA4D8AAAAAAADgPwAAAAAAAOA/AAAAAAAA4D8AAAAAAADgPwAAAAAAAOA/AAAAAAAA4D8AAAAAAADgPwAAAAAAAOA/AAAAAAAA4D8CAAAAjAAAAAAAAAAAAAAAu+DjDP///wgAAAAAAAAAAAAAAAAAAAAAAAAAAAAAAAAAAAAAZAAAAAEAAABAAAAAAAAAAAAAAAAAAAAAAAAAAAAAAAAAAAAAAAAAAAAAAAAAAAAAAAAAAAAAAAAAAAAAAAAAAAAAAAAAAAAAAAAAAAAAAAAAAAAAAAAAAAAAAAAAAAAAFAAAADwAAAAAAAAAAAAAAAAAAAkUAAAAAQAAABQAAAAUAAAAFAAAAAEAAAAAAAAAZAAAAGQAAAAAAAAAZAAAAGQAAAAVAAAAYAAAAAAAAAAAAAAADwAAACADAAAAAAAAAAAAAAEAAACgMgAAVgcAAKr4//8BAAAAf39/AAEAAABkAAAAAAAAABQAAABAHwAAAAAAACYAAAAAAAAAwOD//wAAAAAmAAAAZAAAABYAAABMAAAAAAAAAAAAAAAEAAAAAAAAAAEAAACAgIAKAAAAACgAAAAoAAAAZAAAAGQAAAAAAAAAzMzMAAAAAABQAAAAUAAAAGQAAABkAAAAAAAAABcAAAAUAAAAAAAAAAAAAAD/fwAA/38AAAAAAAAJAAAABAAAAAAAAAAMAAAAEAAAAAAAAAAAAAAAAAAAAAAAAAAeAAAAaAAAAAAAAAAAAAAAAAAAAAAAAAAAAAAAECcAABAnAAAAAAAAAAAAAAAAAAAAAAAAAAAAAAAAAAAAAAAAAAAAABQAAAAAAAAAwMD/AAAAAABkAAAAMgAAAAAAAABkAAAAAAAAAH9/fwAKAAAAHwAAAFQAAAAAAAAFAAAAAQAAAAAAAAAAAAAAAAAAAAAAAAAAAAAAAAAAAAAAAAAAAAAAAn9/fwAAAAADzMzMAMDA/wB/f38AAAAAAAAAAAAAAAAAAAAAAAAAAAAhAAAAGAAAABQAAADQAgAA2AkAAHA1AACwJQAAEAAAACYAAAAIAAAAAAAAAAAAAAA="/>
+                <pr:smNativeData xmlns:pr="smNativeData" val="SMDATA_13_mZ/BYxMAAAAlAAAAZAAAAA8BAAAAkAAAAEgAAACQAAAASAAAAAAAAAAAAAAAAAAAAAEAAABQAAAAAAAAAAAA4D8AAAAAAADgPwAAAAAAAOA/AAAAAAAA4D8AAAAAAADgPwAAAAAAAOA/AAAAAAAA4D8AAAAAAADgPwAAAAAAAOA/AAAAAAAA4D8CAAAAjAAAAAAAAAAAAAAAu+DjDP///wgAAAAAAAAAAAAAAAAAAAAAAAAAAAAAAAAAAAAAZAAAAAEAAABAAAAAAAAAAAAAAAAAAAAAAAAAAAAAAAAAAAAAAAAAAAAAAAAAAAAAAAAAAAAAAAAAAAAAAAAAAAAAAAAAAAAAAAAAAAAAAAAAAAAAAAAAAAAAAAAAAAAAFAAAADwAAAAAAAAAAAAAAAAAAAkUAAAAAQAAABQAAAAUAAAAFAAAAAEAAAAAAAAAZAAAAGQAAAAAAAAAZAAAAGQAAAAVAAAAYAAAAAAAAAAAAAAADwAAACADAAAAAAAAAAAAAAEAAACgMgAAVgcAAKr4//8BAAAAf39/AAEAAABkAAAAAAAAABQAAABAHwAAAAAAACYAAAAAAAAAwOD//wAAAAAmAAAAZAAAABYAAABMAAAAAAAAAAAAAAAEAAAAAAAAAAEAAACAgIAKAAAAACgAAAAoAAAAZAAAAGQAAAAAAAAAzMzMAAAAAABQAAAAUAAAAGQAAABkAAAAAAAAABcAAAAUAAAAAAAAAAAAAAD/fwAA/38AAAAAAAAJAAAABAAAAAAAAAAMAAAAEAAAAAAAAAAAAAAAAAAAAAAAAAAeAAAAaAAAAAAAAAAAAAAAAAAAAAAAAAAAAAAAECcAABAnAAAAAAAAAAAAAAAAAAAAAAAAAAAAAAAAAAAAAAAAAAAAABQAAAAAAAAAwMD/AAAAAABkAAAAMgAAAAAAAABkAAAAAAAAAH9/fwAKAAAAHwAAAFQAAAAAAAAFAAAAAQAAAAAAAAAAAAAAAAAAAAAAAAAAAAAAAAAAAAAAAAAAAAAAAn9/fwAAAAADzMzMAMDA/wB/f38AAAAAAAAAAAAAAAAAAAAAAAAAAAAhAAAAGAAAABQAAADQAgAA2AkAAHA1AACwJQAAEAAAACYAAAAIAAAAAAAAAAAAAAA="/>
               </a:ext>
             </a:extLst>
           </p:cNvSpPr>
@@ -899,7 +900,7 @@
             <a:spLocks noGrp="1" noChangeArrowheads="1"/>
             <a:extLst>
               <a:ext uri="smNativeData">
-                <pr:smNativeData xmlns:pr="smNativeData" val="SMDATA_13_Zg2zYxMAAAAlAAAAZAAAAA8BAAAAkAAAAEgAAACQAAAASAAAAAAAAAABAAAAAAAAAAEAAABQAAAAAAAAAAAA4D8AAAAAAADgPwAAAAAAAOA/AAAAAAAA4D8AAAAAAADgPwAAAAAAAOA/AAAAAAAA4D8AAAAAAADgPwAAAAAAAOA/AAAAAAAA4D8CAAAAjAAAAAAAAAAAAAAAu+DjDP///wgAAAAAAAAAAAAAAAAAAAAAAAAAAAAAAAAAAAAAZAAAAAEAAABAAAAAAAAAAAAAAAAAAAAAAAAAAAAAAAAAAAAAAAAAAAAAAAAAAAAAAAAAAAAAAAAAAAAAAAAAAAAAAAAAAAAAAAAAAAAAAAAAAAAAAAAAAAAAAAAAAAAAFAAAADwAAAAAAAAAAAAAAAAAAAkUAAAAAQAAABQAAAAUAAAAFAAAAAEAAAAAAAAAZAAAAGQAAAAAAAAAZAAAAGQAAAAVAAAAYAAAAAAAAAAAAAAADwAAACADAAAAAAAAAAAAAAEAAACgMgAAVgcAAKr4//8BAAAAf39/AAEAAABkAAAAAAAAABQAAABAHwAAAAAAACYAAAAAAAAAwOD//wAAAAAmAAAAZAAAABYAAABMAAAAAAAAAAAAAAAEAAAAAAAAAAEAAACAgIAKAAAAACgAAAAoAAAAZAAAAGQAAAAAAAAAzMzMAAAAAABQAAAAUAAAAGQAAABkAAAAAAAAABcAAAAUAAAAAAAAAAAAAAD/fwAA/38AAAAAAAAJAAAABAAAAFwAQwAMAAAAEAAAAAAAAAAAAAAAAAAAAAAAAAAeAAAAaAAAAAAAAAAAAAAAAAAAAAAAAAAAAAAAECcAABAnAAAAAAAAAAAAAAAAAAAAAAAAAAAAAAAAAAAAAAAAAAAAABQAAAAAAAAAwMD/AAAAAABkAAAAMgAAAAAAAABkAAAAAAAAAH9/fwAKAAAAHwAAAFQAAAAAAAAFAAAAAQAAAAAAAAAAAAAAAAAAAAAAAAAAAAAAAAAAAAAAAAAAAAAAAn9/fwAAAAADzMzMAMDA/wB/f38AAAAAAAAAAAAAAAAAAAAAAAAAAAAhAAAAGAAAABQAAADQAgAAGycAAPAPAABZKQAAEAAAACYAAAAIAAAAAAAAAAAAAAA="/>
+                <pr:smNativeData xmlns:pr="smNativeData" val="SMDATA_13_mZ/BYxMAAAAlAAAAZAAAAA8BAAAAkAAAAEgAAACQAAAASAAAAAAAAAABAAAAAAAAAAEAAABQAAAAAAAAAAAA4D8AAAAAAADgPwAAAAAAAOA/AAAAAAAA4D8AAAAAAADgPwAAAAAAAOA/AAAAAAAA4D8AAAAAAADgPwAAAAAAAOA/AAAAAAAA4D8CAAAAjAAAAAAAAAAAAAAAu+DjDP///wgAAAAAAAAAAAAAAAAAAAAAAAAAAAAAAAAAAAAAZAAAAAEAAABAAAAAAAAAAAAAAAAAAAAAAAAAAAAAAAAAAAAAAAAAAAAAAAAAAAAAAAAAAAAAAAAAAAAAAAAAAAAAAAAAAAAAAAAAAAAAAAAAAAAAAAAAAAAAAAAAAAAAFAAAADwAAAAAAAAAAAAAAAAAAAkUAAAAAQAAABQAAAAUAAAAFAAAAAEAAAAAAAAAZAAAAGQAAAAAAAAAZAAAAGQAAAAVAAAAYAAAAAAAAAAAAAAADwAAACADAAAAAAAAAAAAAAEAAACgMgAAVgcAAKr4//8BAAAAf39/AAEAAABkAAAAAAAAABQAAABAHwAAAAAAACYAAAAAAAAAwOD//wAAAAAmAAAAZAAAABYAAABMAAAAAAAAAAAAAAAEAAAAAAAAAAEAAACAgIAKAAAAACgAAAAoAAAAZAAAAGQAAAAAAAAAzMzMAAAAAABQAAAAUAAAAGQAAABkAAAAAAAAABcAAAAUAAAAAAAAAAAAAAD/fwAA/38AAAAAAAAJAAAABAAAAFwAQwAMAAAAEAAAAAAAAAAAAAAAAAAAAAAAAAAeAAAAaAAAAAAAAAAAAAAAAAAAAAAAAAAAAAAAECcAABAnAAAAAAAAAAAAAAAAAAAAAAAAAAAAAAAAAAAAAAAAAAAAABQAAAAAAAAAwMD/AAAAAABkAAAAMgAAAAAAAABkAAAAAAAAAH9/fwAKAAAAHwAAAFQAAAAAAAAFAAAAAQAAAAAAAAAAAAAAAAAAAAAAAAAAAAAAAAAAAAAAAAAAAAAAAn9/fwAAAAADzMzMAMDA/wB/f38AAAAAAAAAAAAAAAAAAAAAAAAAAAAhAAAAGAAAABQAAADQAgAAGycAAPAPAABZKQAAEAAAACYAAAAIAAAAAAAAAAAAAAA="/>
               </a:ext>
             </a:extLst>
           </p:cNvSpPr>
@@ -913,7 +914,7 @@
           <a:lstStyle/>
           <a:p>
             <a:pPr/>
-            <a:fld id="{03A9F219-57EE-FC04-A011-A151BC5F56F4}" type="datetime1">
+            <a:fld id="{33B58061-2FDE-E076-900D-D923CE43668C}" type="datetime1">
               <a:t/>
             </a:fld>
           </a:p>
@@ -926,7 +927,7 @@
             <a:spLocks noGrp="1" noChangeArrowheads="1"/>
             <a:extLst>
               <a:ext uri="smNativeData">
-                <pr:smNativeData xmlns:pr="smNativeData" val="SMDATA_13_Zg2zYxMAAAAlAAAAZAAAAA8BAAAAkAAAAEgAAACQAAAASAAAAAAAAAABAAAAAAAAAAEAAABQAAAAAAAAAAAA4D8AAAAAAADgPwAAAAAAAOA/AAAAAAAA4D8AAAAAAADgPwAAAAAAAOA/AAAAAAAA4D8AAAAAAADgPwAAAAAAAOA/AAAAAAAA4D8CAAAAjAAAAAAAAAAAAAAAu+DjDP///wgAAAAAAAAAAAAAAAAAAAAAAAAAAAAAAAAAAAAAZAAAAAEAAABAAAAAAAAAAAAAAAAAAAAAAAAAAAAAAAAAAAAAAAAAAAAAAAAAAAAAAAAAAAAAAAAAAAAAAAAAAAAAAAAAAAAAAAAAAAAAAAAAAAAAAAAAAAAAAAAAAAAAFAAAADwAAAAAAAAAAAAAAAAAAAkUAAAAAQAAABQAAAAUAAAAFAAAAAEAAAAAAAAAZAAAAGQAAAAAAAAAZAAAAGQAAAAVAAAAYAAAAAAAAAAAAAAADwAAACADAAAAAAAAAAAAAAEAAACgMgAAVgcAAKr4//8BAAAAf39/AAEAAABkAAAAAAAAABQAAABAHwAAAAAAACYAAAAAAAAAwOD//wAAAAAmAAAAZAAAABYAAABMAAAAAAAAAAAAAAAEAAAAAAAAAAEAAACAgIAKAAAAACgAAAAoAAAAZAAAAGQAAAAAAAAAzMzMAAAAAABQAAAAUAAAAGQAAABkAAAAAAAAABcAAAAUAAAAAAAAAAAAAAD/fwAA/38AAAAAAAAJAAAABAAAAElJSf8MAAAAEAAAAAAAAAAAAAAAAAAAAAAAAAAeAAAAaAAAAAAAAAAAAAAAAAAAAAAAAAAAAAAAECcAABAnAAAAAAAAAAAAAAAAAAAAAAAAAAAAAAAAAAAAAAAAAAAAABQAAAAAAAAAwMD/AAAAAABkAAAAMgAAAAAAAABkAAAAAAAAAH9/fwAKAAAAHwAAAFQAAAAAAAAFAAAAAQAAAAAAAAAAAAAAAAAAAAAAAAAAAAAAAAAAAAAAAAAAAAAAAn9/fwAAAAADzMzMAMDA/wB/f38AAAAAAAAAAAAAAAAAAAAAAAAAAAAhAAAAGAAAABQAAAA4EwAAGycAAAglAABZKQAAEAAAACYAAAAIAAAAAAAAAAAAAAA="/>
+                <pr:smNativeData xmlns:pr="smNativeData" val="SMDATA_13_mZ/BYxMAAAAlAAAAZAAAAA8BAAAAkAAAAEgAAACQAAAASAAAAAAAAAABAAAAAAAAAAEAAABQAAAAAAAAAAAA4D8AAAAAAADgPwAAAAAAAOA/AAAAAAAA4D8AAAAAAADgPwAAAAAAAOA/AAAAAAAA4D8AAAAAAADgPwAAAAAAAOA/AAAAAAAA4D8CAAAAjAAAAAAAAAAAAAAAu+DjDP///wgAAAAAAAAAAAAAAAAAAAAAAAAAAAAAAAAAAAAAZAAAAAEAAABAAAAAAAAAAAAAAAAAAAAAAAAAAAAAAAAAAAAAAAAAAAAAAAAAAAAAAAAAAAAAAAAAAAAAAAAAAAAAAAAAAAAAAAAAAAAAAAAAAAAAAAAAAAAAAAAAAAAAFAAAADwAAAAAAAAAAAAAAAAAAAkUAAAAAQAAABQAAAAUAAAAFAAAAAEAAAAAAAAAZAAAAGQAAAAAAAAAZAAAAGQAAAAVAAAAYAAAAAAAAAAAAAAADwAAACADAAAAAAAAAAAAAAEAAACgMgAAVgcAAKr4//8BAAAAf39/AAEAAABkAAAAAAAAABQAAABAHwAAAAAAACYAAAAAAAAAwOD//wAAAAAmAAAAZAAAABYAAABMAAAAAAAAAAAAAAAEAAAAAAAAAAEAAACAgIAKAAAAACgAAAAoAAAAZAAAAGQAAAAAAAAAzMzMAAAAAABQAAAAUAAAAGQAAABkAAAAAAAAABcAAAAUAAAAAAAAAAAAAAD/fwAA/38AAAAAAAAJAAAABAAAAElJSf8MAAAAEAAAAAAAAAAAAAAAAAAAAAAAAAAeAAAAaAAAAAAAAAAAAAAAAAAAAAAAAAAAAAAAECcAABAnAAAAAAAAAAAAAAAAAAAAAAAAAAAAAAAAAAAAAAAAAAAAABQAAAAAAAAAwMD/AAAAAABkAAAAMgAAAAAAAABkAAAAAAAAAH9/fwAKAAAAHwAAAFQAAAAAAAAFAAAAAQAAAAAAAAAAAAAAAAAAAAAAAAAAAAAAAAAAAAAAAAAAAAAAAn9/fwAAAAADzMzMAMDA/wB/f38AAAAAAAAAAAAAAAAAAAAAAAAAAAAhAAAAGAAAABQAAAA4EwAAGycAAAglAABZKQAAEAAAACYAAAAIAAAAAAAAAAAAAAA="/>
               </a:ext>
             </a:extLst>
           </p:cNvSpPr>
@@ -950,7 +951,7 @@
             <a:spLocks noGrp="1" noChangeArrowheads="1"/>
             <a:extLst>
               <a:ext uri="smNativeData">
-                <pr:smNativeData xmlns:pr="smNativeData" val="SMDATA_13_Zg2zYxMAAAAlAAAAZAAAAA8BAAAAkAAAAEgAAACQAAAASAAAAAAAAAABAAAAAAAAAAEAAABQAAAAAAAAAAAA4D8AAAAAAADgPwAAAAAAAOA/AAAAAAAA4D8AAAAAAADgPwAAAAAAAOA/AAAAAAAA4D8AAAAAAADgPwAAAAAAAOA/AAAAAAAA4D8CAAAAjAAAAAAAAAAAAAAAu+DjDP///wgAAAAAAAAAAAAAAAAAAAAAAAAAAAAAAAAAAAAAZAAAAAEAAABAAAAAAAAAAAAAAAAAAAAAAAAAAAAAAAAAAAAAAAAAAAAAAAAAAAAAAAAAAAAAAAAAAAAAAAAAAAAAAAAAAAAAAAAAAAAAAAAAAAAAAAAAAAAAAAAAAAAAFAAAADwAAAAAAAAAAAAAAAAAAAkUAAAAAQAAABQAAAAUAAAAFAAAAAEAAAAAAAAAZAAAAGQAAAAAAAAAZAAAAGQAAAAVAAAAYAAAAAAAAAAAAAAADwAAACADAAAAAAAAAAAAAAEAAACgMgAAVgcAAKr4//8BAAAAf39/AAEAAABkAAAAAAAAABQAAABAHwAAAAAAACYAAAAAAAAAwOD//wAAAAAmAAAAZAAAABYAAABMAAAAAAAAAAAAAAAEAAAAAAAAAAEAAACAgIAKAAAAACgAAAAoAAAAZAAAAGQAAAAAAAAAzMzMAAAAAABQAAAAUAAAAGQAAABkAAAAAAAAABcAAAAUAAAAAAAAAAAAAAD/fwAA/38AAAAAAAAJAAAABAAAAAAAAAAMAAAAEAAAAAAAAAAAAAAAAAAAAAAAAAAeAAAAaAAAAAAAAAAAAAAAAAAAAAAAAAAAAAAAECcAABAnAAAAAAAAAAAAAAAAAAAAAAAAAAAAAAAAAAAAAAAAAAAAABQAAAAAAAAAwMD/AAAAAABkAAAAMgAAAAAAAABkAAAAAAAAAH9/fwAKAAAAHwAAAFQAAAAAAAAFAAAAAQAAAAAAAAAAAAAAAAAAAAAAAAAAAAAAAAAAAAAAAAAAAAAAAn9/fwAAAAADzMzMAMDA/wB/f38AAAAAAAAAAAAAAAAAAAAAAAAAAAAhAAAAGAAAABQAAABQKAAAGycAAHA1AABZKQAAEAAAACYAAAAIAAAAAAAAAAAAAAA="/>
+                <pr:smNativeData xmlns:pr="smNativeData" val="SMDATA_13_mZ/BYxMAAAAlAAAAZAAAAA8BAAAAkAAAAEgAAACQAAAASAAAAAAAAAABAAAAAAAAAAEAAABQAAAAAAAAAAAA4D8AAAAAAADgPwAAAAAAAOA/AAAAAAAA4D8AAAAAAADgPwAAAAAAAOA/AAAAAAAA4D8AAAAAAADgPwAAAAAAAOA/AAAAAAAA4D8CAAAAjAAAAAAAAAAAAAAAu+DjDP///wgAAAAAAAAAAAAAAAAAAAAAAAAAAAAAAAAAAAAAZAAAAAEAAABAAAAAAAAAAAAAAAAAAAAAAAAAAAAAAAAAAAAAAAAAAAAAAAAAAAAAAAAAAAAAAAAAAAAAAAAAAAAAAAAAAAAAAAAAAAAAAAAAAAAAAAAAAAAAAAAAAAAAFAAAADwAAAAAAAAAAAAAAAAAAAkUAAAAAQAAABQAAAAUAAAAFAAAAAEAAAAAAAAAZAAAAGQAAAAAAAAAZAAAAGQAAAAVAAAAYAAAAAAAAAAAAAAADwAAACADAAAAAAAAAAAAAAEAAACgMgAAVgcAAKr4//8BAAAAf39/AAEAAABkAAAAAAAAABQAAABAHwAAAAAAACYAAAAAAAAAwOD//wAAAAAmAAAAZAAAABYAAABMAAAAAAAAAAAAAAAEAAAAAAAAAAEAAACAgIAKAAAAACgAAAAoAAAAZAAAAGQAAAAAAAAAzMzMAAAAAABQAAAAUAAAAGQAAABkAAAAAAAAABcAAAAUAAAAAAAAAAAAAAD/fwAA/38AAAAAAAAJAAAABAAAAAAAAAAMAAAAEAAAAAAAAAAAAAAAAAAAAAAAAAAeAAAAaAAAAAAAAAAAAAAAAAAAAAAAAAAAAAAAECcAABAnAAAAAAAAAAAAAAAAAAAAAAAAAAAAAAAAAAAAAAAAAAAAABQAAAAAAAAAwMD/AAAAAABkAAAAMgAAAAAAAABkAAAAAAAAAH9/fwAKAAAAHwAAAFQAAAAAAAAFAAAAAQAAAAAAAAAAAAAAAAAAAAAAAAAAAAAAAAAAAAAAAAAAAAAAAn9/fwAAAAADzMzMAMDA/wB/f38AAAAAAAAAAAAAAAAAAAAAAAAAAAAhAAAAGAAAABQAAABQKAAAGycAAHA1AABZKQAAEAAAACYAAAAIAAAAAAAAAAAAAAA="/>
               </a:ext>
             </a:extLst>
           </p:cNvSpPr>
@@ -964,7 +965,7 @@
           <a:lstStyle/>
           <a:p>
             <a:pPr/>
-            <a:fld id="{03A9FB78-36EE-FC0D-A011-C058B55F5695}" type="slidenum">
+            <a:fld id="{33B5B7EC-A2DE-E041-900D-5414F9436601}" type="slidenum">
               <a:t/>
             </a:fld>
           </a:p>
@@ -1002,7 +1003,7 @@
             <a:spLocks noGrp="1" noChangeArrowheads="1"/>
             <a:extLst>
               <a:ext uri="smNativeData">
-                <pr:smNativeData xmlns:pr="smNativeData" val="SMDATA_13_Zg2zYxMAAAAlAAAAZAAAAA8BAAAAkAAAAEgAAACQAAAASAAAAAAAAAAAAAAAAAAAAAEAAABQAAAAAAAAAAAA4D8AAAAAAADgPwAAAAAAAOA/AAAAAAAA4D8AAAAAAADgPwAAAAAAAOA/AAAAAAAA4D8AAAAAAADgPwAAAAAAAOA/AAAAAAAA4D8CAAAAjAAAAAAAAAAAAAAAu+DjDP///wgAAAAAAAAAAAAAAAAAAAAAAAAAAAAAAAAAAAAAZAAAAAEAAABAAAAAAAAAAAAAAAAAAAAAAAAAAAAAAAAAAAAAAAAAAAAAAAAAAAAAAAAAAAAAAAAAAAAAAAAAAAAAAAAAAAAAAAAAAAAAAAAAAAAAAAAAAAAAAAAAAAAAFAAAADwAAAAAAAAAAAAAAAAAAAkUAAAAAQAAABQAAAAUAAAAFAAAAAEAAAAAAAAAZAAAAGQAAAAAAAAAZAAAAGQAAAAVAAAAYAAAAAAAAAAAAAAADwAAACADAAAAAAAAAAAAAAEAAACgMgAAVgcAAKr4//8BAAAAf39/AAEAAABkAAAAAAAAABQAAABAHwAAAAAAACYAAAAAAAAAwOD//wAAAAAmAAAAZAAAABYAAABMAAAAAAAAAAAAAAAEAAAAAAAAAAEAAACAgIAKAAAAACgAAAAoAAAAZAAAAGQAAAAAAAAAzMzMAAAAAABQAAAAUAAAAGQAAABkAAAAAAAAABcAAAAUAAAAAAAAAAAAAAD/fwAA/38AAAAAAAAJAAAABAAAAAAAAAAMAAAAEAAAAAAAAAAAAAAAAAAAAAAAAAAeAAAAaAAAAAAAAAAAAAAAAAAAAAAAAAAAAAAAECcAABAnAAAAAAAAAAAAAAAAAAAAAAAAAAAAAAAAAAAAAAAAAAAAABQAAAAAAAAAwMD/AAAAAABkAAAAMgAAAAAAAABkAAAAAAAAAH9/fwAKAAAAHwAAAFQAAAAAAAAFAAAAAQAAAAAAAAAAAAAAAAAAAAAAAAAAAAAAAAAAAAAAAAAAAAAAAn9/fwAAAAADzMzMAMDA/wB/f38AAAAAAAAAAAAAAAAAAAAAAAAAAAAhAAAAGAAAABQAAAByBAAAHBsAAEI0AAB9IwAAEAAAACYAAAAIAAAAgYAAAAAAAAA="/>
+                <pr:smNativeData xmlns:pr="smNativeData" val="SMDATA_13_mZ/BYxMAAAAlAAAAZAAAAA8BAAAAkAAAAEgAAACQAAAASAAAAAAAAAAAAAAAAAAAAAEAAABQAAAAAAAAAAAA4D8AAAAAAADgPwAAAAAAAOA/AAAAAAAA4D8AAAAAAADgPwAAAAAAAOA/AAAAAAAA4D8AAAAAAADgPwAAAAAAAOA/AAAAAAAA4D8CAAAAjAAAAAAAAAAAAAAAu+DjDP///wgAAAAAAAAAAAAAAAAAAAAAAAAAAAAAAAAAAAAAZAAAAAEAAABAAAAAAAAAAAAAAAAAAAAAAAAAAAAAAAAAAAAAAAAAAAAAAAAAAAAAAAAAAAAAAAAAAAAAAAAAAAAAAAAAAAAAAAAAAAAAAAAAAAAAAAAAAAAAAAAAAAAAFAAAADwAAAAAAAAAAAAAAAAAAAkUAAAAAQAAABQAAAAUAAAAFAAAAAEAAAAAAAAAZAAAAGQAAAAAAAAAZAAAAGQAAAAVAAAAYAAAAAAAAAAAAAAADwAAACADAAAAAAAAAAAAAAEAAACgMgAAVgcAAKr4//8BAAAAf39/AAEAAABkAAAAAAAAABQAAABAHwAAAAAAACYAAAAAAAAAwOD//wAAAAAmAAAAZAAAABYAAABMAAAAAAAAAAAAAAAEAAAAAAAAAAEAAACAgIAKAAAAACgAAAAoAAAAZAAAAGQAAAAAAAAAzMzMAAAAAABQAAAAUAAAAGQAAABkAAAAAAAAABcAAAAUAAAAAAAAAAAAAAD/fwAA/38AAAAAAAAJAAAABAAAAAAAAAAMAAAAEAAAAAAAAAAAAAAAAAAAAAAAAAAeAAAAaAAAAAAAAAAAAAAAAAAAAAAAAAAAAAAAECcAABAnAAAAAAAAAAAAAAAAAAAAAAAAAAAAAAAAAAAAAAAAAAAAABQAAAAAAAAAwMD/AAAAAABkAAAAMgAAAAAAAABkAAAAAAAAAH9/fwAKAAAAHwAAAFQAAAAAAAAFAAAAAQAAAAAAAAAAAAAAAAAAAAAAAAAAAAAAAAAAAAAAAAAAAAAAAn9/fwAAAAADzMzMAMDA/wB/f38AAAAAAAAAAAAAAAAAAAAAAAAAAAAhAAAAGAAAABQAAAByBAAAHBsAAEI0AAB9IwAAEAAAACYAAAAIAAAAgYAAAAAAAAA="/>
               </a:ext>
             </a:extLst>
           </p:cNvSpPr>
@@ -1044,7 +1045,7 @@
             <a:spLocks noGrp="1" noChangeArrowheads="1"/>
             <a:extLst>
               <a:ext uri="smNativeData">
-                <pr:smNativeData xmlns:pr="smNativeData" val="SMDATA_13_Zg2zYxMAAAAlAAAAZAAAAA8BAAAAkAAAAEgAAACQAAAASAAAAAAAAAACAAAAAAAAAAEAAABQAAAAAAAAAAAA4D8AAAAAAADgPwAAAAAAAOA/AAAAAAAA4D8AAAAAAADgPwAAAAAAAOA/AAAAAAAA4D8AAAAAAADgPwAAAAAAAOA/AAAAAAAA4D8CAAAAjAAAAAAAAAAAAAAAu+DjDP///wgAAAAAAAAAAAAAAAAAAAAAAAAAAAAAAAAAAAAAZAAAAAEAAABAAAAAAAAAAAAAAAAAAAAAAAAAAAAAAAAAAAAAAAAAAAAAAAAAAAAAAAAAAAAAAAAAAAAAAAAAAAAAAAAAAAAAAAAAAAAAAAAAAAAAAAAAAAAAAAAAAAAAFAAAADwAAAAAAAAAAAAAAAAAAAkUAAAAAQAAABQAAAAUAAAAFAAAAAEAAAAAAAAAZAAAAGQAAAAAAAAAZAAAAGQAAAAVAAAAYAAAAAAAAAAAAAAADwAAACADAAAAAAAAAAAAAAEAAACgMgAAVgcAAKr4//8BAAAAf39/AAEAAABkAAAAAAAAABQAAABAHwAAAAAAACYAAAAAAAAAwOD//wAAAAAmAAAAZAAAABYAAABMAAAAAAAAAAAAAAAEAAAAAAAAAAEAAACAgIAKAAAAACgAAAAoAAAAZAAAAGQAAAAAAAAAzMzMAAAAAABQAAAAUAAAAGQAAABkAAAAAAAAABcAAAAUAAAAAAAAAAAAAAD/fwAA/38AAAAAAAAJAAAABAAAAO3FAwAMAAAAEAAAAAAAAAAAAAAAAAAAAAAAAAAeAAAAaAAAAAAAAAAAAAAAAAAAAAAAAAAAAAAAECcAABAnAAAAAAAAAAAAAAAAAAAAAAAAAAAAAAAAAAAAAAAAAAAAABQAAAAAAAAAwMD/AAAAAABkAAAAMgAAAAAAAABkAAAAAAAAAH9/fwAKAAAAHwAAAFQAAAAAAAAFAAAAAQAAAAAAAAAAAAAAAAAAAAAAAAAAAAAAAAAAAAAAAAAAAAAAAn9/fwAAAAADzMzMAMDA/wB/f38AAAAAAAAAAAAAAAAAAAAAAAAAAAAhAAAAGAAAABQAAAByBAAA4REAAEI0AAAcGwAAEAAAACYAAAAIAAAAgYAAAAAAAAA="/>
+                <pr:smNativeData xmlns:pr="smNativeData" val="SMDATA_13_mZ/BYxMAAAAlAAAAZAAAAA8BAAAAkAAAAEgAAACQAAAASAAAAAAAAAACAAAAAAAAAAEAAABQAAAAAAAAAAAA4D8AAAAAAADgPwAAAAAAAOA/AAAAAAAA4D8AAAAAAADgPwAAAAAAAOA/AAAAAAAA4D8AAAAAAADgPwAAAAAAAOA/AAAAAAAA4D8CAAAAjAAAAAAAAAAAAAAAu+DjDP///wgAAAAAAAAAAAAAAAAAAAAAAAAAAAAAAAAAAAAAZAAAAAEAAABAAAAAAAAAAAAAAAAAAAAAAAAAAAAAAAAAAAAAAAAAAAAAAAAAAAAAAAAAAAAAAAAAAAAAAAAAAAAAAAAAAAAAAAAAAAAAAAAAAAAAAAAAAAAAAAAAAAAAFAAAADwAAAAAAAAAAAAAAAAAAAkUAAAAAQAAABQAAAAUAAAAFAAAAAEAAAAAAAAAZAAAAGQAAAAAAAAAZAAAAGQAAAAVAAAAYAAAAAAAAAAAAAAADwAAACADAAAAAAAAAAAAAAEAAACgMgAAVgcAAKr4//8BAAAAf39/AAEAAABkAAAAAAAAABQAAABAHwAAAAAAACYAAAAAAAAAwOD//wAAAAAmAAAAZAAAABYAAABMAAAAAAAAAAAAAAAEAAAAAAAAAAEAAACAgIAKAAAAACgAAAAoAAAAZAAAAGQAAAAAAAAAzMzMAAAAAABQAAAAUAAAAGQAAABkAAAAAAAAABcAAAAUAAAAAAAAAAAAAAD/fwAA/38AAAAAAAAJAAAABAAAAO3FAwAMAAAAEAAAAAAAAAAAAAAAAAAAAAAAAAAeAAAAaAAAAAAAAAAAAAAAAAAAAAAAAAAAAAAAECcAABAnAAAAAAAAAAAAAAAAAAAAAAAAAAAAAAAAAAAAAAAAAAAAABQAAAAAAAAAwMD/AAAAAABkAAAAMgAAAAAAAABkAAAAAAAAAH9/fwAKAAAAHwAAAFQAAAAAAAAFAAAAAQAAAAAAAAAAAAAAAAAAAAAAAAAAAAAAAAAAAAAAAAAAAAAAAn9/fwAAAAADzMzMAMDA/wB/f38AAAAAAAAAAAAAAAAAAAAAAAAAAAAhAAAAGAAAABQAAAByBAAA4REAAEI0AAAcGwAAEAAAACYAAAAIAAAAgYAAAAAAAAA="/>
               </a:ext>
             </a:extLst>
           </p:cNvSpPr>
@@ -1117,7 +1118,7 @@
             <a:spLocks noGrp="1" noChangeArrowheads="1"/>
             <a:extLst>
               <a:ext uri="smNativeData">
-                <pr:smNativeData xmlns:pr="smNativeData" val="SMDATA_13_Zg2zYxMAAAAlAAAAZAAAAA8BAAAAkAAAAEgAAACQAAAASAAAAAAAAAABAAAAAAAAAAEAAABQAAAAAAAAAAAA4D8AAAAAAADgPwAAAAAAAOA/AAAAAAAA4D8AAAAAAADgPwAAAAAAAOA/AAAAAAAA4D8AAAAAAADgPwAAAAAAAOA/AAAAAAAA4D8CAAAAjAAAAAAAAAAAAAAAu+DjDP///wgAAAAAAAAAAAAAAAAAAAAAAAAAAAAAAAAAAAAAZAAAAAEAAABAAAAAAAAAAAAAAAAAAAAAAAAAAAAAAAAAAAAAAAAAAAAAAAAAAAAAAAAAAAAAAAAAAAAAAAAAAAAAAAAAAAAAAAAAAAAAAAAAAAAAAAAAAAAAAAAAAAAAFAAAADwAAAAAAAAAAAAAAAAAAAkUAAAAAQAAABQAAAAUAAAAFAAAAAEAAAAAAAAAZAAAAGQAAAAAAAAAZAAAAGQAAAAVAAAAYAAAAAAAAAAAAAAADwAAACADAAAAAAAAAAAAAAEAAACgMgAAVgcAAKr4//8BAAAAf39/AAEAAABkAAAAAAAAABQAAABAHwAAAAAAACYAAAAAAAAAwOD//wAAAAAmAAAAZAAAABYAAABMAAAAAAAAAAAAAAAEAAAAAAAAAAEAAACAgIAKAAAAACgAAAAoAAAAZAAAAGQAAAAAAAAAzMzMAAAAAABQAAAAUAAAAGQAAABkAAAAAAAAABcAAAAUAAAAAAAAAAAAAAD/fwAA/38AAAAAAAAJAAAABAAAAPBC34oMAAAAEAAAAAAAAAAAAAAAAAAAAAAAAAAeAAAAaAAAAAAAAAAAAAAAAAAAAAAAAAAAAAAAECcAABAnAAAAAAAAAAAAAAAAAAAAAAAAAAAAAAAAAAAAAAAAAAAAABQAAAAAAAAAwMD/AAAAAABkAAAAMgAAAAAAAABkAAAAAAAAAH9/fwAKAAAAHwAAAFQAAAAAAAAFAAAAAQAAAAAAAAAAAAAAAAAAAAAAAAAAAAAAAAAAAAAAAAAAAAAAAn9/fwAAAAADzMzMAMDA/wB/f38AAAAAAAAAAAAAAAAAAAAAAAAAAAAhAAAAGAAAABQAAADQAgAAGycAAPAPAABZKQAAEAAAACYAAAAIAAAAAAAAAAAAAAA="/>
+                <pr:smNativeData xmlns:pr="smNativeData" val="SMDATA_13_mZ/BYxMAAAAlAAAAZAAAAA8BAAAAkAAAAEgAAACQAAAASAAAAAAAAAABAAAAAAAAAAEAAABQAAAAAAAAAAAA4D8AAAAAAADgPwAAAAAAAOA/AAAAAAAA4D8AAAAAAADgPwAAAAAAAOA/AAAAAAAA4D8AAAAAAADgPwAAAAAAAOA/AAAAAAAA4D8CAAAAjAAAAAAAAAAAAAAAu+DjDP///wgAAAAAAAAAAAAAAAAAAAAAAAAAAAAAAAAAAAAAZAAAAAEAAABAAAAAAAAAAAAAAAAAAAAAAAAAAAAAAAAAAAAAAAAAAAAAAAAAAAAAAAAAAAAAAAAAAAAAAAAAAAAAAAAAAAAAAAAAAAAAAAAAAAAAAAAAAAAAAAAAAAAAFAAAADwAAAAAAAAAAAAAAAAAAAkUAAAAAQAAABQAAAAUAAAAFAAAAAEAAAAAAAAAZAAAAGQAAAAAAAAAZAAAAGQAAAAVAAAAYAAAAAAAAAAAAAAADwAAACADAAAAAAAAAAAAAAEAAACgMgAAVgcAAKr4//8BAAAAf39/AAEAAABkAAAAAAAAABQAAABAHwAAAAAAACYAAAAAAAAAwOD//wAAAAAmAAAAZAAAABYAAABMAAAAAAAAAAAAAAAEAAAAAAAAAAEAAACAgIAKAAAAACgAAAAoAAAAZAAAAGQAAAAAAAAAzMzMAAAAAABQAAAAUAAAAGQAAABkAAAAAAAAABcAAAAUAAAAAAAAAAAAAAD/fwAA/38AAAAAAAAJAAAABAAAAPBC34oMAAAAEAAAAAAAAAAAAAAAAAAAAAAAAAAeAAAAaAAAAAAAAAAAAAAAAAAAAAAAAAAAAAAAECcAABAnAAAAAAAAAAAAAAAAAAAAAAAAAAAAAAAAAAAAAAAAAAAAABQAAAAAAAAAwMD/AAAAAABkAAAAMgAAAAAAAABkAAAAAAAAAH9/fwAKAAAAHwAAAFQAAAAAAAAFAAAAAQAAAAAAAAAAAAAAAAAAAAAAAAAAAAAAAAAAAAAAAAAAAAAAAn9/fwAAAAADzMzMAMDA/wB/f38AAAAAAAAAAAAAAAAAAAAAAAAAAAAhAAAAGAAAABQAAADQAgAAGycAAPAPAABZKQAAEAAAACYAAAAIAAAAAAAAAAAAAAA="/>
               </a:ext>
             </a:extLst>
           </p:cNvSpPr>
@@ -1131,7 +1132,7 @@
           <a:lstStyle/>
           <a:p>
             <a:pPr/>
-            <a:fld id="{03A99C84-CAEE-FC6A-A011-3C3FD25F5669}" type="datetime1">
+            <a:fld id="{33B59737-79DE-E061-900D-8F34D94366DA}" type="datetime1">
               <a:t/>
             </a:fld>
           </a:p>
@@ -1144,7 +1145,7 @@
             <a:spLocks noGrp="1" noChangeArrowheads="1"/>
             <a:extLst>
               <a:ext uri="smNativeData">
-                <pr:smNativeData xmlns:pr="smNativeData" val="SMDATA_13_Zg2zYxMAAAAlAAAAZAAAAA8BAAAAkAAAAEgAAACQAAAASAAAAAAAAAABAAAAAAAAAAEAAABQAAAAAAAAAAAA4D8AAAAAAADgPwAAAAAAAOA/AAAAAAAA4D8AAAAAAADgPwAAAAAAAOA/AAAAAAAA4D8AAAAAAADgPwAAAAAAAOA/AAAAAAAA4D8CAAAAjAAAAAAAAAAAAAAAu+DjDP///wgAAAAAAAAAAAAAAAAAAAAAAAAAAAAAAAAAAAAAZAAAAAEAAABAAAAAAAAAAAAAAAAAAAAAAAAAAAAAAAAAAAAAAAAAAAAAAAAAAAAAAAAAAAAAAAAAAAAAAAAAAAAAAAAAAAAAAAAAAAAAAAAAAAAAAAAAAAAAAAAAAAAAFAAAADwAAAAAAAAAAAAAAAAAAAkUAAAAAQAAABQAAAAUAAAAFAAAAAEAAAAAAAAAZAAAAGQAAAAAAAAAZAAAAGQAAAAVAAAAYAAAAAAAAAAAAAAADwAAACADAAAAAAAAAAAAAAEAAACgMgAAVgcAAKr4//8BAAAAf39/AAEAAABkAAAAAAAAABQAAABAHwAAAAAAACYAAAAAAAAAwOD//wAAAAAmAAAAZAAAABYAAABMAAAAAAAAAAAAAAAEAAAAAAAAAAEAAACAgIAKAAAAACgAAAAoAAAAZAAAAGQAAAAAAAAAzMzMAAAAAABQAAAAUAAAAGQAAABkAAAAAAAAABcAAAAUAAAAAAAAAAAAAAD/fwAA/38AAAAAAAAJAAAABAAAANMZJUQMAAAAEAAAAAAAAAAAAAAAAAAAAAAAAAAeAAAAaAAAAAAAAAAAAAAAAAAAAAAAAAAAAAAAECcAABAnAAAAAAAAAAAAAAAAAAAAAAAAAAAAAAAAAAAAAAAAAAAAABQAAAAAAAAAwMD/AAAAAABkAAAAMgAAAAAAAABkAAAAAAAAAH9/fwAKAAAAHwAAAFQAAAAAAAAFAAAAAQAAAAAAAAAAAAAAAAAAAAAAAAAAAAAAAAAAAAAAAAAAAAAAAn9/fwAAAAADzMzMAMDA/wB/f38AAAAAAAAAAAAAAAAAAAAAAAAAAAAhAAAAGAAAABQAAAA4EwAAGycAAAglAABZKQAAEAAAACYAAAAIAAAAAAAAAAAAAAA="/>
+                <pr:smNativeData xmlns:pr="smNativeData" val="SMDATA_13_mZ/BYxMAAAAlAAAAZAAAAA8BAAAAkAAAAEgAAACQAAAASAAAAAAAAAABAAAAAAAAAAEAAABQAAAAAAAAAAAA4D8AAAAAAADgPwAAAAAAAOA/AAAAAAAA4D8AAAAAAADgPwAAAAAAAOA/AAAAAAAA4D8AAAAAAADgPwAAAAAAAOA/AAAAAAAA4D8CAAAAjAAAAAAAAAAAAAAAu+DjDP///wgAAAAAAAAAAAAAAAAAAAAAAAAAAAAAAAAAAAAAZAAAAAEAAABAAAAAAAAAAAAAAAAAAAAAAAAAAAAAAAAAAAAAAAAAAAAAAAAAAAAAAAAAAAAAAAAAAAAAAAAAAAAAAAAAAAAAAAAAAAAAAAAAAAAAAAAAAAAAAAAAAAAAFAAAADwAAAAAAAAAAAAAAAAAAAkUAAAAAQAAABQAAAAUAAAAFAAAAAEAAAAAAAAAZAAAAGQAAAAAAAAAZAAAAGQAAAAVAAAAYAAAAAAAAAAAAAAADwAAACADAAAAAAAAAAAAAAEAAACgMgAAVgcAAKr4//8BAAAAf39/AAEAAABkAAAAAAAAABQAAABAHwAAAAAAACYAAAAAAAAAwOD//wAAAAAmAAAAZAAAABYAAABMAAAAAAAAAAAAAAAEAAAAAAAAAAEAAACAgIAKAAAAACgAAAAoAAAAZAAAAGQAAAAAAAAAzMzMAAAAAABQAAAAUAAAAGQAAABkAAAAAAAAABcAAAAUAAAAAAAAAAAAAAD/fwAA/38AAAAAAAAJAAAABAAAANMZJUQMAAAAEAAAAAAAAAAAAAAAAAAAAAAAAAAeAAAAaAAAAAAAAAAAAAAAAAAAAAAAAAAAAAAAECcAABAnAAAAAAAAAAAAAAAAAAAAAAAAAAAAAAAAAAAAAAAAAAAAABQAAAAAAAAAwMD/AAAAAABkAAAAMgAAAAAAAABkAAAAAAAAAH9/fwAKAAAAHwAAAFQAAAAAAAAFAAAAAQAAAAAAAAAAAAAAAAAAAAAAAAAAAAAAAAAAAAAAAAAAAAAAAn9/fwAAAAADzMzMAMDA/wB/f38AAAAAAAAAAAAAAAAAAAAAAAAAAAAhAAAAGAAAABQAAAA4EwAAGycAAAglAABZKQAAEAAAACYAAAAIAAAAAAAAAAAAAAA="/>
               </a:ext>
             </a:extLst>
           </p:cNvSpPr>
@@ -1168,7 +1169,7 @@
             <a:spLocks noGrp="1" noChangeArrowheads="1"/>
             <a:extLst>
               <a:ext uri="smNativeData">
-                <pr:smNativeData xmlns:pr="smNativeData" val="SMDATA_13_Zg2zYxMAAAAlAAAAZAAAAA8BAAAAkAAAAEgAAACQAAAASAAAAAAAAAABAAAAAAAAAAEAAABQAAAAAAAAAAAA4D8AAAAAAADgPwAAAAAAAOA/AAAAAAAA4D8AAAAAAADgPwAAAAAAAOA/AAAAAAAA4D8AAAAAAADgPwAAAAAAAOA/AAAAAAAA4D8CAAAAjAAAAAAAAAAAAAAAu+DjDP///wgAAAAAAAAAAAAAAAAAAAAAAAAAAAAAAAAAAAAAZAAAAAEAAABAAAAAAAAAAAAAAAAAAAAAAAAAAAAAAAAAAAAAAAAAAAAAAAAAAAAAAAAAAAAAAAAAAAAAAAAAAAAAAAAAAAAAAAAAAAAAAAAAAAAAAAAAAAAAAAAAAAAAFAAAADwAAAAAAAAAAAAAAAAAAAkUAAAAAQAAABQAAAAUAAAAFAAAAAEAAAAAAAAAZAAAAGQAAAAAAAAAZAAAAGQAAAAVAAAAYAAAAAAAAAAAAAAADwAAACADAAAAAAAAAAAAAAEAAACgMgAAVgcAAKr4//8BAAAAf39/AAEAAABkAAAAAAAAABQAAABAHwAAAAAAACYAAAAAAAAAwOD//wAAAAAmAAAAZAAAABYAAABMAAAAAAAAAAAAAAAEAAAAAAAAAAEAAACAgIAKAAAAACgAAAAoAAAAZAAAAGQAAAAAAAAAzMzMAAAAAABQAAAAUAAAAGQAAABkAAAAAAAAABcAAAAUAAAAAAAAAAAAAAD/fwAA/38AAAAAAAAJAAAABAAAAPhL+yIMAAAAEAAAAAAAAAAAAAAAAAAAAAAAAAAeAAAAaAAAAAAAAAAAAAAAAAAAAAAAAAAAAAAAECcAABAnAAAAAAAAAAAAAAAAAAAAAAAAAAAAAAAAAAAAAAAAAAAAABQAAAAAAAAAwMD/AAAAAABkAAAAMgAAAAAAAABkAAAAAAAAAH9/fwAKAAAAHwAAAFQAAAAAAAAFAAAAAQAAAAAAAAAAAAAAAAAAAAAAAAAAAAAAAAAAAAAAAAAAAAAAAn9/fwAAAAADzMzMAMDA/wB/f38AAAAAAAAAAAAAAAAAAAAAAAAAAAAhAAAAGAAAABQAAABQKAAAGycAAHA1AABZKQAAEAAAACYAAAAIAAAAAAAAAAAAAAA="/>
+                <pr:smNativeData xmlns:pr="smNativeData" val="SMDATA_13_mZ/BYxMAAAAlAAAAZAAAAA8BAAAAkAAAAEgAAACQAAAASAAAAAAAAAABAAAAAAAAAAEAAABQAAAAAAAAAAAA4D8AAAAAAADgPwAAAAAAAOA/AAAAAAAA4D8AAAAAAADgPwAAAAAAAOA/AAAAAAAA4D8AAAAAAADgPwAAAAAAAOA/AAAAAAAA4D8CAAAAjAAAAAAAAAAAAAAAu+DjDP///wgAAAAAAAAAAAAAAAAAAAAAAAAAAAAAAAAAAAAAZAAAAAEAAABAAAAAAAAAAAAAAAAAAAAAAAAAAAAAAAAAAAAAAAAAAAAAAAAAAAAAAAAAAAAAAAAAAAAAAAAAAAAAAAAAAAAAAAAAAAAAAAAAAAAAAAAAAAAAAAAAAAAAFAAAADwAAAAAAAAAAAAAAAAAAAkUAAAAAQAAABQAAAAUAAAAFAAAAAEAAAAAAAAAZAAAAGQAAAAAAAAAZAAAAGQAAAAVAAAAYAAAAAAAAAAAAAAADwAAACADAAAAAAAAAAAAAAEAAACgMgAAVgcAAKr4//8BAAAAf39/AAEAAABkAAAAAAAAABQAAABAHwAAAAAAACYAAAAAAAAAwOD//wAAAAAmAAAAZAAAABYAAABMAAAAAAAAAAAAAAAEAAAAAAAAAAEAAACAgIAKAAAAACgAAAAoAAAAZAAAAGQAAAAAAAAAzMzMAAAAAABQAAAAUAAAAGQAAABkAAAAAAAAABcAAAAUAAAAAAAAAAAAAAD/fwAA/38AAAAAAAAJAAAABAAAAPhL+yIMAAAAEAAAAAAAAAAAAAAAAAAAAAAAAAAeAAAAaAAAAAAAAAAAAAAAAAAAAAAAAAAAAAAAECcAABAnAAAAAAAAAAAAAAAAAAAAAAAAAAAAAAAAAAAAAAAAAAAAABQAAAAAAAAAwMD/AAAAAABkAAAAMgAAAAAAAABkAAAAAAAAAH9/fwAKAAAAHwAAAFQAAAAAAAAFAAAAAQAAAAAAAAAAAAAAAAAAAAAAAAAAAAAAAAAAAAAAAAAAAAAAAn9/fwAAAAADzMzMAMDA/wB/f38AAAAAAAAAAAAAAAAAAAAAAAAAAAAhAAAAGAAAABQAAABQKAAAGycAAHA1AABZKQAAEAAAACYAAAAIAAAAAAAAAAAAAAA="/>
               </a:ext>
             </a:extLst>
           </p:cNvSpPr>
@@ -1182,7 +1183,7 @@
           <a:lstStyle/>
           <a:p>
             <a:pPr/>
-            <a:fld id="{03A9B71F-51EE-FC41-A011-A714F95F56F2}" type="slidenum">
+            <a:fld id="{33B5C347-09DE-E035-900D-FF608D4366AA}" type="slidenum">
               <a:t/>
             </a:fld>
           </a:p>
@@ -1220,7 +1221,7 @@
             <a:spLocks noGrp="1" noChangeArrowheads="1"/>
             <a:extLst>
               <a:ext uri="smNativeData">
-                <pr:smNativeData xmlns:pr="smNativeData" val="SMDATA_13_Zg2zYxMAAAAlAAAAZAAAAA8BAAAAkAAAAEgAAACQAAAASAAAAAAAAAABAAAAAAAAAAEAAABQAAAAAAAAAAAA4D8AAAAAAADgPwAAAAAAAOA/AAAAAAAA4D8AAAAAAADgPwAAAAAAAOA/AAAAAAAA4D8AAAAAAADgPwAAAAAAAOA/AAAAAAAA4D8CAAAAjAAAAAAAAAAAAAAAu+DjDP///wgAAAAAAAAAAAAAAAAAAAAAAAAAAAAAAAAAAAAAZAAAAAEAAABAAAAAAAAAAAAAAAAAAAAAAAAAAAAAAAAAAAAAAAAAAAAAAAAAAAAAAAAAAAAAAAAAAAAAAAAAAAAAAAAAAAAAAAAAAAAAAAAAAAAAAAAAAAAAAAAAAAAAFAAAADwAAAAAAAAAAAAAAAAAAAkUAAAAAQAAABQAAAAUAAAAFAAAAAEAAAAAAAAAZAAAAGQAAAAAAAAAZAAAAGQAAAAVAAAAYAAAAAAAAAAAAAAADwAAACADAAAAAAAAAAAAAAEAAACgMgAAVgcAAKr4//8BAAAAf39/AAEAAABkAAAAAAAAABQAAABAHwAAAAAAACYAAAAAAAAAwOD//wAAAAAmAAAAZAAAABYAAABMAAAAAAAAAAAAAAAEAAAAAAAAAAEAAACAgIAKAAAAACgAAAAoAAAAZAAAAGQAAAAAAAAAzMzMAAAAAABQAAAAUAAAAGQAAABkAAAAAAAAABcAAAAUAAAAAAAAAAAAAAD/fwAA/38AAAAAAAAJAAAABAAAAAMAhj4MAAAAEAAAAAAAAAAAAAAAAAAAAAAAAAAeAAAAaAAAAAAAAAAAAAAAAAAAAAAAAAAAAAAAECcAABAnAAAAAAAAAAAAAAAAAAAAAAAAAAAAAAAAAAAAAAAAAAAAABQAAAAAAAAAwMD/AAAAAABkAAAAMgAAAAAAAABkAAAAAAAAAH9/fwAKAAAAHwAAAFQAAAAAAAAFAAAAAQAAAAAAAAAAAAAAAAAAAAAAAAAAAAAAAAAAAAAAAAAAAAAAAn9/fwAAAAADzMzMAMDA/wB/f38AAAAAAAAAAAAAAAAAAAAAAAAAAAAhAAAAGAAAABQAAADQAgAAsAEAAHA1AAC4CAAAEAAAACYAAAAIAAAAAAAAAAAAAAA="/>
+                <pr:smNativeData xmlns:pr="smNativeData" val="SMDATA_13_mZ/BYxMAAAAlAAAAZAAAAA8BAAAAkAAAAEgAAACQAAAASAAAAAAAAAABAAAAAAAAAAEAAABQAAAAAAAAAAAA4D8AAAAAAADgPwAAAAAAAOA/AAAAAAAA4D8AAAAAAADgPwAAAAAAAOA/AAAAAAAA4D8AAAAAAADgPwAAAAAAAOA/AAAAAAAA4D8CAAAAjAAAAAAAAAAAAAAAu+DjDP///wgAAAAAAAAAAAAAAAAAAAAAAAAAAAAAAAAAAAAAZAAAAAEAAABAAAAAAAAAAAAAAAAAAAAAAAAAAAAAAAAAAAAAAAAAAAAAAAAAAAAAAAAAAAAAAAAAAAAAAAAAAAAAAAAAAAAAAAAAAAAAAAAAAAAAAAAAAAAAAAAAAAAAFAAAADwAAAAAAAAAAAAAAAAAAAkUAAAAAQAAABQAAAAUAAAAFAAAAAEAAAAAAAAAZAAAAGQAAAAAAAAAZAAAAGQAAAAVAAAAYAAAAAAAAAAAAAAADwAAACADAAAAAAAAAAAAAAEAAACgMgAAVgcAAKr4//8BAAAAf39/AAEAAABkAAAAAAAAABQAAABAHwAAAAAAACYAAAAAAAAAwOD//wAAAAAmAAAAZAAAABYAAABMAAAAAAAAAAAAAAAEAAAAAAAAAAEAAACAgIAKAAAAACgAAAAoAAAAZAAAAGQAAAAAAAAAzMzMAAAAAABQAAAAUAAAAGQAAABkAAAAAAAAABcAAAAUAAAAAAAAAAAAAAD/fwAA/38AAAAAAAAJAAAABAAAAAMAhj4MAAAAEAAAAAAAAAAAAAAAAAAAAAAAAAAeAAAAaAAAAAAAAAAAAAAAAAAAAAAAAAAAAAAAECcAABAnAAAAAAAAAAAAAAAAAAAAAAAAAAAAAAAAAAAAAAAAAAAAABQAAAAAAAAAwMD/AAAAAABkAAAAMgAAAAAAAABkAAAAAAAAAH9/fwAKAAAAHwAAAFQAAAAAAAAFAAAAAQAAAAAAAAAAAAAAAAAAAAAAAAAAAAAAAAAAAAAAAAAAAAAAAn9/fwAAAAADzMzMAMDA/wB/f38AAAAAAAAAAAAAAAAAAAAAAAAAAAAhAAAAGAAAABQAAADQAgAAsAEAAHA1AAC4CAAAEAAAACYAAAAIAAAAAAAAAAAAAAA="/>
               </a:ext>
             </a:extLst>
           </p:cNvSpPr>
@@ -1247,7 +1248,7 @@
             <a:spLocks noGrp="1" noChangeArrowheads="1"/>
             <a:extLst>
               <a:ext uri="smNativeData">
-                <pr:smNativeData xmlns:pr="smNativeData" val="SMDATA_13_Zg2zYxMAAAAlAAAAZAAAAA8BAAAAkAAAAEgAAACQAAAASAAAAAAAAAAAAAAAAAAAAAEAAABQAAAAAAAAAAAA4D8AAAAAAADgPwAAAAAAAOA/AAAAAAAA4D8AAAAAAADgPwAAAAAAAOA/AAAAAAAA4D8AAAAAAADgPwAAAAAAAOA/AAAAAAAA4D8CAAAAjAAAAAAAAAAAAAAAu+DjDP///wgAAAAAAAAAAAAAAAAAAAAAAAAAAAAAAAAAAAAAZAAAAAEAAABAAAAAAAAAAAAAAAAAAAAAAAAAAAAAAAAAAAAAAAAAAAAAAAAAAAAAAAAAAAAAAAAAAAAAAAAAAAAAAAAAAAAAAAAAAAAAAAAAAAAAAAAAAAAAAAAAAAAAFAAAADwAAAAAAAAAAAAAAAAAAAkUAAAAAQAAABQAAAAUAAAAFAAAAAEAAAAAAAAAZAAAAGQAAAAAAAAAZAAAAGQAAAAVAAAAYAAAAAAAAAAAAAAADwAAACADAAAAAAAAAAAAAAEAAACgMgAAVgcAAKr4//8BAAAAf39/AAEAAABkAAAAAAAAABQAAABAHwAAAAAAACYAAAAAAAAAwOD//wAAAAAmAAAAZAAAABYAAABMAAAAAAAAAAAAAAAEAAAAAAAAAAEAAACAgIAKAAAAACgAAAAoAAAAZAAAAGQAAAAAAAAAzMzMAAAAAABQAAAAUAAAAGQAAABkAAAAAAAAABcAAAAUAAAAAAAAAAAAAAD/fwAA/38AAAAAAAAJAAAABAAAAJJH8tUMAAAAEAAAAAAAAAAAAAAAAAAAAAAAAAAeAAAAaAAAAAAAAAAAAAAAAAAAAAAAAAAAAAAAECcAABAnAAAAAAAAAAAAAAAAAAAAAAAAAAAAAAAAAAAAAAAAAAAAABQAAAAAAAAAwMD/AAAAAABkAAAAMgAAAAAAAABkAAAAAAAAAH9/fwAKAAAAHwAAAFQAAAAAAAAFAAAAAQAAAAAAAAAAAAAAAAAAAAAAAAAAAAAAAAAAAAAAAAAAAAAAAn9/fwAAAAADzMzMAMDA/wB/f38AAAAAAAAAAAAAAAAAAAAAAAAAAAAhAAAAGAAAABQAAADQAgAA2AkAAKgbAACwJQAAEAAAACYAAAAIAAAAAYAAAAAAAAA="/>
+                <pr:smNativeData xmlns:pr="smNativeData" val="SMDATA_13_mZ/BYxMAAAAlAAAAZAAAAA8BAAAAkAAAAEgAAACQAAAASAAAAAAAAAAAAAAAAAAAAAEAAABQAAAAAAAAAAAA4D8AAAAAAADgPwAAAAAAAOA/AAAAAAAA4D8AAAAAAADgPwAAAAAAAOA/AAAAAAAA4D8AAAAAAADgPwAAAAAAAOA/AAAAAAAA4D8CAAAAjAAAAAAAAAAAAAAAu+DjDP///wgAAAAAAAAAAAAAAAAAAAAAAAAAAAAAAAAAAAAAZAAAAAEAAABAAAAAAAAAAAAAAAAAAAAAAAAAAAAAAAAAAAAAAAAAAAAAAAAAAAAAAAAAAAAAAAAAAAAAAAAAAAAAAAAAAAAAAAAAAAAAAAAAAAAAAAAAAAAAAAAAAAAAFAAAADwAAAAAAAAAAAAAAAAAAAkUAAAAAQAAABQAAAAUAAAAFAAAAAEAAAAAAAAAZAAAAGQAAAAAAAAAZAAAAGQAAAAVAAAAYAAAAAAAAAAAAAAADwAAACADAAAAAAAAAAAAAAEAAACgMgAAVgcAAKr4//8BAAAAf39/AAEAAABkAAAAAAAAABQAAABAHwAAAAAAACYAAAAAAAAAwOD//wAAAAAmAAAAZAAAABYAAABMAAAAAAAAAAAAAAAEAAAAAAAAAAEAAACAgIAKAAAAACgAAAAoAAAAZAAAAGQAAAAAAAAAzMzMAAAAAABQAAAAUAAAAGQAAABkAAAAAAAAABcAAAAUAAAAAAAAAAAAAAD/fwAA/38AAAAAAAAJAAAABAAAAJJH8tUMAAAAEAAAAAAAAAAAAAAAAAAAAAAAAAAeAAAAaAAAAAAAAAAAAAAAAAAAAAAAAAAAAAAAECcAABAnAAAAAAAAAAAAAAAAAAAAAAAAAAAAAAAAAAAAAAAAAAAAABQAAAAAAAAAwMD/AAAAAABkAAAAMgAAAAAAAABkAAAAAAAAAH9/fwAKAAAAHwAAAFQAAAAAAAAFAAAAAQAAAAAAAAAAAAAAAAAAAAAAAAAAAAAAAAAAAAAAAAAAAAAAAn9/fwAAAAADzMzMAMDA/wB/f38AAAAAAAAAAAAAAAAAAAAAAAAAAAAhAAAAGAAAABQAAADQAgAA2AkAAKgbAACwJQAAEAAAACYAAAAIAAAAAYAAAAAAAAA="/>
               </a:ext>
             </a:extLst>
           </p:cNvSpPr>
@@ -1331,7 +1332,7 @@
             <a:spLocks noGrp="1" noChangeArrowheads="1"/>
             <a:extLst>
               <a:ext uri="smNativeData">
-                <pr:smNativeData xmlns:pr="smNativeData" val="SMDATA_13_Zg2zYxMAAAAlAAAAZAAAAA8BAAAAkAAAAEgAAACQAAAASAAAAAAAAAAAAAAAAAAAAAEAAABQAAAAAAAAAAAA4D8AAAAAAADgPwAAAAAAAOA/AAAAAAAA4D8AAAAAAADgPwAAAAAAAOA/AAAAAAAA4D8AAAAAAADgPwAAAAAAAOA/AAAAAAAA4D8CAAAAjAAAAAAAAAAAAAAAu+DjDP///wgAAAAAAAAAAAAAAAAAAAAAAAAAAAAAAAAAAAAAZAAAAAEAAABAAAAAAAAAAAAAAAAAAAAAAAAAAAAAAAAAAAAAAAAAAAAAAAAAAAAAAAAAAAAAAAAAAAAAAAAAAAAAAAAAAAAAAAAAAAAAAAAAAAAAAAAAAAAAAAAAAAAAFAAAADwAAAAAAAAAAAAAAAAAAAkUAAAAAQAAABQAAAAUAAAAFAAAAAEAAAAAAAAAZAAAAGQAAAAAAAAAZAAAAGQAAAAVAAAAYAAAAAAAAAAAAAAADwAAACADAAAAAAAAAAAAAAEAAACgMgAAVgcAAKr4//8BAAAAf39/AAEAAABkAAAAAAAAABQAAABAHwAAAAAAACYAAAAAAAAAwOD//wAAAAAmAAAAZAAAABYAAABMAAAAAAAAAAAAAAAEAAAAAAAAAAEAAACAgIAKAAAAACgAAAAoAAAAZAAAAGQAAAAAAAAAzMzMAAAAAABQAAAAUAAAAGQAAABkAAAAAAAAABcAAAAUAAAAAAAAAAAAAAD/fwAA/38AAAAAAAAJAAAABAAAAO8vAwAMAAAAEAAAAAAAAAAAAAAAAAAAAAAAAAAeAAAAaAAAAAAAAAAAAAAAAAAAAAAAAAAAAAAAECcAABAnAAAAAAAAAAAAAAAAAAAAAAAAAAAAAAAAAAAAAAAAAAAAABQAAAAAAAAAwMD/AAAAAABkAAAAMgAAAAAAAABkAAAAAAAAAH9/fwAKAAAAHwAAAFQAAAAAAAAFAAAAAQAAAAAAAAAAAAAAAAAAAAAAAAAAAAAAAAAAAAAAAAAAAAAAAn9/fwAAAAADzMzMAMDA/wB/f38AAAAAAAAAAAAAAAAAAAAAAAAAAAAhAAAAGAAAABQAAACYHAAA2AkAAHA1AACwJQAAEAAAACYAAAAIAAAAAYAAAAAAAAA="/>
+                <pr:smNativeData xmlns:pr="smNativeData" val="SMDATA_13_mZ/BYxMAAAAlAAAAZAAAAA8BAAAAkAAAAEgAAACQAAAASAAAAAAAAAAAAAAAAAAAAAEAAABQAAAAAAAAAAAA4D8AAAAAAADgPwAAAAAAAOA/AAAAAAAA4D8AAAAAAADgPwAAAAAAAOA/AAAAAAAA4D8AAAAAAADgPwAAAAAAAOA/AAAAAAAA4D8CAAAAjAAAAAAAAAAAAAAAu+DjDP///wgAAAAAAAAAAAAAAAAAAAAAAAAAAAAAAAAAAAAAZAAAAAEAAABAAAAAAAAAAAAAAAAAAAAAAAAAAAAAAAAAAAAAAAAAAAAAAAAAAAAAAAAAAAAAAAAAAAAAAAAAAAAAAAAAAAAAAAAAAAAAAAAAAAAAAAAAAAAAAAAAAAAAFAAAADwAAAAAAAAAAAAAAAAAAAkUAAAAAQAAABQAAAAUAAAAFAAAAAEAAAAAAAAAZAAAAGQAAAAAAAAAZAAAAGQAAAAVAAAAYAAAAAAAAAAAAAAADwAAACADAAAAAAAAAAAAAAEAAACgMgAAVgcAAKr4//8BAAAAf39/AAEAAABkAAAAAAAAABQAAABAHwAAAAAAACYAAAAAAAAAwOD//wAAAAAmAAAAZAAAABYAAABMAAAAAAAAAAAAAAAEAAAAAAAAAAEAAACAgIAKAAAAACgAAAAoAAAAZAAAAGQAAAAAAAAAzMzMAAAAAABQAAAAUAAAAGQAAABkAAAAAAAAABcAAAAUAAAAAAAAAAAAAAD/fwAA/38AAAAAAAAJAAAABAAAAO8vAwAMAAAAEAAAAAAAAAAAAAAAAAAAAAAAAAAeAAAAaAAAAAAAAAAAAAAAAAAAAAAAAAAAAAAAECcAABAnAAAAAAAAAAAAAAAAAAAAAAAAAAAAAAAAAAAAAAAAAAAAABQAAAAAAAAAwMD/AAAAAABkAAAAMgAAAAAAAABkAAAAAAAAAH9/fwAKAAAAHwAAAFQAAAAAAAAFAAAAAQAAAAAAAAAAAAAAAAAAAAAAAAAAAAAAAAAAAAAAAAAAAAAAAn9/fwAAAAADzMzMAMDA/wB/f38AAAAAAAAAAAAAAAAAAAAAAAAAAAAhAAAAGAAAABQAAACYHAAA2AkAAHA1AACwJQAAEAAAACYAAAAIAAAAAYAAAAAAAAA="/>
               </a:ext>
             </a:extLst>
           </p:cNvSpPr>
@@ -1415,7 +1416,7 @@
             <a:spLocks noGrp="1" noChangeArrowheads="1"/>
             <a:extLst>
               <a:ext uri="smNativeData">
-                <pr:smNativeData xmlns:pr="smNativeData" val="SMDATA_13_Zg2zYxMAAAAlAAAAZAAAAA8BAAAAkAAAAEgAAACQAAAASAAAAAAAAAABAAAAAAAAAAEAAABQAAAAAAAAAAAA4D8AAAAAAADgPwAAAAAAAOA/AAAAAAAA4D8AAAAAAADgPwAAAAAAAOA/AAAAAAAA4D8AAAAAAADgPwAAAAAAAOA/AAAAAAAA4D8CAAAAjAAAAAAAAAAAAAAAu+DjDP///wgAAAAAAAAAAAAAAAAAAAAAAAAAAAAAAAAAAAAAZAAAAAEAAABAAAAAAAAAAAAAAAAAAAAAAAAAAAAAAAAAAAAAAAAAAAAAAAAAAAAAAAAAAAAAAAAAAAAAAAAAAAAAAAAAAAAAAAAAAAAAAAAAAAAAAAAAAAAAAAAAAAAAFAAAADwAAAAAAAAAAAAAAAAAAAkUAAAAAQAAABQAAAAUAAAAFAAAAAEAAAAAAAAAZAAAAGQAAAAAAAAAZAAAAGQAAAAVAAAAYAAAAAAAAAAAAAAADwAAACADAAAAAAAAAAAAAAEAAACgMgAAVgcAAKr4//8BAAAAf39/AAEAAABkAAAAAAAAABQAAABAHwAAAAAAACYAAAAAAAAAwOD//wAAAAAmAAAAZAAAABYAAABMAAAAAAAAAAAAAAAEAAAAAAAAAAEAAACAgIAKAAAAACgAAAAoAAAAZAAAAGQAAAAAAAAAzMzMAAAAAABQAAAAUAAAAGQAAABkAAAAAAAAABcAAAAUAAAAAAAAAAAAAAD/fwAA/38AAAAAAAAJAAAABAAAAAMAf0oMAAAAEAAAAAAAAAAAAAAAAAAAAAAAAAAeAAAAaAAAAAAAAAAAAAAAAAAAAAAAAAAAAAAAECcAABAnAAAAAAAAAAAAAAAAAAAAAAAAAAAAAAAAAAAAAAAAAAAAABQAAAAAAAAAwMD/AAAAAABkAAAAMgAAAAAAAABkAAAAAAAAAH9/fwAKAAAAHwAAAFQAAAAAAAAFAAAAAQAAAAAAAAAAAAAAAAAAAAAAAAAAAAAAAAAAAAAAAAAAAAAAAn9/fwAAAAADzMzMAMDA/wB/f38AAAAAAAAAAAAAAAAAAAAAAAAAAAAhAAAAGAAAABQAAADQAgAAGycAAPAPAABZKQAAEAAAACYAAAAIAAAAAAAAAAAAAAA="/>
+                <pr:smNativeData xmlns:pr="smNativeData" val="SMDATA_13_mZ/BYxMAAAAlAAAAZAAAAA8BAAAAkAAAAEgAAACQAAAASAAAAAAAAAABAAAAAAAAAAEAAABQAAAAAAAAAAAA4D8AAAAAAADgPwAAAAAAAOA/AAAAAAAA4D8AAAAAAADgPwAAAAAAAOA/AAAAAAAA4D8AAAAAAADgPwAAAAAAAOA/AAAAAAAA4D8CAAAAjAAAAAAAAAAAAAAAu+DjDP///wgAAAAAAAAAAAAAAAAAAAAAAAAAAAAAAAAAAAAAZAAAAAEAAABAAAAAAAAAAAAAAAAAAAAAAAAAAAAAAAAAAAAAAAAAAAAAAAAAAAAAAAAAAAAAAAAAAAAAAAAAAAAAAAAAAAAAAAAAAAAAAAAAAAAAAAAAAAAAAAAAAAAAFAAAADwAAAAAAAAAAAAAAAAAAAkUAAAAAQAAABQAAAAUAAAAFAAAAAEAAAAAAAAAZAAAAGQAAAAAAAAAZAAAAGQAAAAVAAAAYAAAAAAAAAAAAAAADwAAACADAAAAAAAAAAAAAAEAAACgMgAAVgcAAKr4//8BAAAAf39/AAEAAABkAAAAAAAAABQAAABAHwAAAAAAACYAAAAAAAAAwOD//wAAAAAmAAAAZAAAABYAAABMAAAAAAAAAAAAAAAEAAAAAAAAAAEAAACAgIAKAAAAACgAAAAoAAAAZAAAAGQAAAAAAAAAzMzMAAAAAABQAAAAUAAAAGQAAABkAAAAAAAAABcAAAAUAAAAAAAAAAAAAAD/fwAA/38AAAAAAAAJAAAABAAAAAMAf0oMAAAAEAAAAAAAAAAAAAAAAAAAAAAAAAAeAAAAaAAAAAAAAAAAAAAAAAAAAAAAAAAAAAAAECcAABAnAAAAAAAAAAAAAAAAAAAAAAAAAAAAAAAAAAAAAAAAAAAAABQAAAAAAAAAwMD/AAAAAABkAAAAMgAAAAAAAABkAAAAAAAAAH9/fwAKAAAAHwAAAFQAAAAAAAAFAAAAAQAAAAAAAAAAAAAAAAAAAAAAAAAAAAAAAAAAAAAAAAAAAAAAAn9/fwAAAAADzMzMAMDA/wB/f38AAAAAAAAAAAAAAAAAAAAAAAAAAAAhAAAAGAAAABQAAADQAgAAGycAAPAPAABZKQAAEAAAACYAAAAIAAAAAAAAAAAAAAA="/>
               </a:ext>
             </a:extLst>
           </p:cNvSpPr>
@@ -1429,7 +1430,7 @@
           <a:lstStyle/>
           <a:p>
             <a:pPr/>
-            <a:fld id="{03A99E97-D9EE-FC68-A011-2F3DD05F567A}" type="datetime1">
+            <a:fld id="{33B5A7EF-A1DE-E051-900D-5704E9436602}" type="datetime1">
               <a:t/>
             </a:fld>
           </a:p>
@@ -1442,7 +1443,7 @@
             <a:spLocks noGrp="1" noChangeArrowheads="1"/>
             <a:extLst>
               <a:ext uri="smNativeData">
-                <pr:smNativeData xmlns:pr="smNativeData" val="SMDATA_13_Zg2zYxMAAAAlAAAAZAAAAA8BAAAAkAAAAEgAAACQAAAASAAAAAAAAAABAAAAAAAAAAEAAABQAAAAAAAAAAAA4D8AAAAAAADgPwAAAAAAAOA/AAAAAAAA4D8AAAAAAADgPwAAAAAAAOA/AAAAAAAA4D8AAAAAAADgPwAAAAAAAOA/AAAAAAAA4D8CAAAAjAAAAAAAAAAAAAAAu+DjDP///wgAAAAAAAAAAAAAAAAAAAAAAAAAAAAAAAAAAAAAZAAAAAEAAABAAAAAAAAAAAAAAAAAAAAAAAAAAAAAAAAAAAAAAAAAAAAAAAAAAAAAAAAAAAAAAAAAAAAAAAAAAAAAAAAAAAAAAAAAAAAAAAAAAAAAAAAAAAAAAAAAAAAAFAAAADwAAAAAAAAAAAAAAAAAAAkUAAAAAQAAABQAAAAUAAAAFAAAAAEAAAAAAAAAZAAAAGQAAAAAAAAAZAAAAGQAAAAVAAAAYAAAAAAAAAAAAAAADwAAACADAAAAAAAAAAAAAAEAAACgMgAAVgcAAKr4//8BAAAAf39/AAEAAABkAAAAAAAAABQAAABAHwAAAAAAACYAAAAAAAAAwOD//wAAAAAmAAAAZAAAABYAAABMAAAAAAAAAAAAAAAEAAAAAAAAAAEAAACAgIAKAAAAACgAAAAoAAAAZAAAAGQAAAAAAAAAzMzMAAAAAABQAAAAUAAAAGQAAABkAAAAAAAAABcAAAAUAAAAAAAAAAAAAAD/fwAA/38AAAAAAAAJAAAABAAAABMRBAAMAAAAEAAAAAAAAAAAAAAAAAAAAAAAAAAeAAAAaAAAAAAAAAAAAAAAAAAAAAAAAAAAAAAAECcAABAnAAAAAAAAAAAAAAAAAAAAAAAAAAAAAAAAAAAAAAAAAAAAABQAAAAAAAAAwMD/AAAAAABkAAAAMgAAAAAAAABkAAAAAAAAAH9/fwAKAAAAHwAAAFQAAAAAAAAFAAAAAQAAAAAAAAAAAAAAAAAAAAAAAAAAAAAAAAAAAAAAAAAAAAAAAn9/fwAAAAADzMzMAMDA/wB/f38AAAAAAAAAAAAAAAAAAAAAAAAAAAAhAAAAGAAAABQAAAA4EwAAGycAAAglAABZKQAAEAAAACYAAAAIAAAAAAAAAAAAAAA="/>
+                <pr:smNativeData xmlns:pr="smNativeData" val="SMDATA_13_mZ/BYxMAAAAlAAAAZAAAAA8BAAAAkAAAAEgAAACQAAAASAAAAAAAAAABAAAAAAAAAAEAAABQAAAAAAAAAAAA4D8AAAAAAADgPwAAAAAAAOA/AAAAAAAA4D8AAAAAAADgPwAAAAAAAOA/AAAAAAAA4D8AAAAAAADgPwAAAAAAAOA/AAAAAAAA4D8CAAAAjAAAAAAAAAAAAAAAu+DjDP///wgAAAAAAAAAAAAAAAAAAAAAAAAAAAAAAAAAAAAAZAAAAAEAAABAAAAAAAAAAAAAAAAAAAAAAAAAAAAAAAAAAAAAAAAAAAAAAAAAAAAAAAAAAAAAAAAAAAAAAAAAAAAAAAAAAAAAAAAAAAAAAAAAAAAAAAAAAAAAAAAAAAAAFAAAADwAAAAAAAAAAAAAAAAAAAkUAAAAAQAAABQAAAAUAAAAFAAAAAEAAAAAAAAAZAAAAGQAAAAAAAAAZAAAAGQAAAAVAAAAYAAAAAAAAAAAAAAADwAAACADAAAAAAAAAAAAAAEAAACgMgAAVgcAAKr4//8BAAAAf39/AAEAAABkAAAAAAAAABQAAABAHwAAAAAAACYAAAAAAAAAwOD//wAAAAAmAAAAZAAAABYAAABMAAAAAAAAAAAAAAAEAAAAAAAAAAEAAACAgIAKAAAAACgAAAAoAAAAZAAAAGQAAAAAAAAAzMzMAAAAAABQAAAAUAAAAGQAAABkAAAAAAAAABcAAAAUAAAAAAAAAAAAAAD/fwAA/38AAAAAAAAJAAAABAAAABMRBAAMAAAAEAAAAAAAAAAAAAAAAAAAAAAAAAAeAAAAaAAAAAAAAAAAAAAAAAAAAAAAAAAAAAAAECcAABAnAAAAAAAAAAAAAAAAAAAAAAAAAAAAAAAAAAAAAAAAAAAAABQAAAAAAAAAwMD/AAAAAABkAAAAMgAAAAAAAABkAAAAAAAAAH9/fwAKAAAAHwAAAFQAAAAAAAAFAAAAAQAAAAAAAAAAAAAAAAAAAAAAAAAAAAAAAAAAAAAAAAAAAAAAAn9/fwAAAAADzMzMAMDA/wB/f38AAAAAAAAAAAAAAAAAAAAAAAAAAAAhAAAAGAAAABQAAAA4EwAAGycAAAglAABZKQAAEAAAACYAAAAIAAAAAAAAAAAAAAA="/>
               </a:ext>
             </a:extLst>
           </p:cNvSpPr>
@@ -1466,7 +1467,7 @@
             <a:spLocks noGrp="1" noChangeArrowheads="1"/>
             <a:extLst>
               <a:ext uri="smNativeData">
-                <pr:smNativeData xmlns:pr="smNativeData" val="SMDATA_13_Zg2zYxMAAAAlAAAAZAAAAA8BAAAAkAAAAEgAAACQAAAASAAAAAAAAAABAAAAAAAAAAEAAABQAAAAAAAAAAAA4D8AAAAAAADgPwAAAAAAAOA/AAAAAAAA4D8AAAAAAADgPwAAAAAAAOA/AAAAAAAA4D8AAAAAAADgPwAAAAAAAOA/AAAAAAAA4D8CAAAAjAAAAAAAAAAAAAAAu+DjDP///wgAAAAAAAAAAAAAAAAAAAAAAAAAAAAAAAAAAAAAZAAAAAEAAABAAAAAAAAAAAAAAAAAAAAAAAAAAAAAAAAAAAAAAAAAAAAAAAAAAAAAAAAAAAAAAAAAAAAAAAAAAAAAAAAAAAAAAAAAAAAAAAAAAAAAAAAAAAAAAAAAAAAAFAAAADwAAAAAAAAAAAAAAAAAAAkUAAAAAQAAABQAAAAUAAAAFAAAAAEAAAAAAAAAZAAAAGQAAAAAAAAAZAAAAGQAAAAVAAAAYAAAAAAAAAAAAAAADwAAACADAAAAAAAAAAAAAAEAAACgMgAAVgcAAKr4//8BAAAAf39/AAEAAABkAAAAAAAAABQAAABAHwAAAAAAACYAAAAAAAAAwOD//wAAAAAmAAAAZAAAABYAAABMAAAAAAAAAAAAAAAEAAAAAAAAAAEAAACAgIAKAAAAACgAAAAoAAAAZAAAAGQAAAAAAAAAzMzMAAAAAABQAAAAUAAAAGQAAABkAAAAAAAAABcAAAAUAAAAAAAAAAAAAAD/fwAA/38AAAAAAAAJAAAABAAAAL5dAwAMAAAAEAAAAAAAAAAAAAAAAAAAAAAAAAAeAAAAaAAAAAAAAAAAAAAAAAAAAAAAAAAAAAAAECcAABAnAAAAAAAAAAAAAAAAAAAAAAAAAAAAAAAAAAAAAAAAAAAAABQAAAAAAAAAwMD/AAAAAABkAAAAMgAAAAAAAABkAAAAAAAAAH9/fwAKAAAAHwAAAFQAAAAAAAAFAAAAAQAAAAAAAAAAAAAAAAAAAAAAAAAAAAAAAAAAAAAAAAAAAAAAAn9/fwAAAAADzMzMAMDA/wB/f38AAAAAAAAAAAAAAAAAAAAAAAAAAAAhAAAAGAAAABQAAABQKAAAGycAAHA1AABZKQAAEAAAACYAAAAIAAAAAAAAAAAAAAA="/>
+                <pr:smNativeData xmlns:pr="smNativeData" val="SMDATA_13_mZ/BYxMAAAAlAAAAZAAAAA8BAAAAkAAAAEgAAACQAAAASAAAAAAAAAABAAAAAAAAAAEAAABQAAAAAAAAAAAA4D8AAAAAAADgPwAAAAAAAOA/AAAAAAAA4D8AAAAAAADgPwAAAAAAAOA/AAAAAAAA4D8AAAAAAADgPwAAAAAAAOA/AAAAAAAA4D8CAAAAjAAAAAAAAAAAAAAAu+DjDP///wgAAAAAAAAAAAAAAAAAAAAAAAAAAAAAAAAAAAAAZAAAAAEAAABAAAAAAAAAAAAAAAAAAAAAAAAAAAAAAAAAAAAAAAAAAAAAAAAAAAAAAAAAAAAAAAAAAAAAAAAAAAAAAAAAAAAAAAAAAAAAAAAAAAAAAAAAAAAAAAAAAAAAFAAAADwAAAAAAAAAAAAAAAAAAAkUAAAAAQAAABQAAAAUAAAAFAAAAAEAAAAAAAAAZAAAAGQAAAAAAAAAZAAAAGQAAAAVAAAAYAAAAAAAAAAAAAAADwAAACADAAAAAAAAAAAAAAEAAACgMgAAVgcAAKr4//8BAAAAf39/AAEAAABkAAAAAAAAABQAAABAHwAAAAAAACYAAAAAAAAAwOD//wAAAAAmAAAAZAAAABYAAABMAAAAAAAAAAAAAAAEAAAAAAAAAAEAAACAgIAKAAAAACgAAAAoAAAAZAAAAGQAAAAAAAAAzMzMAAAAAABQAAAAUAAAAGQAAABkAAAAAAAAABcAAAAUAAAAAAAAAAAAAAD/fwAA/38AAAAAAAAJAAAABAAAAL5dAwAMAAAAEAAAAAAAAAAAAAAAAAAAAAAAAAAeAAAAaAAAAAAAAAAAAAAAAAAAAAAAAAAAAAAAECcAABAnAAAAAAAAAAAAAAAAAAAAAAAAAAAAAAAAAAAAAAAAAAAAABQAAAAAAAAAwMD/AAAAAABkAAAAMgAAAAAAAABkAAAAAAAAAH9/fwAKAAAAHwAAAFQAAAAAAAAFAAAAAQAAAAAAAAAAAAAAAAAAAAAAAAAAAAAAAAAAAAAAAAAAAAAAAn9/fwAAAAADzMzMAMDA/wB/f38AAAAAAAAAAAAAAAAAAAAAAAAAAAAhAAAAGAAAABQAAABQKAAAGycAAHA1AABZKQAAEAAAACYAAAAIAAAAAAAAAAAAAAA="/>
               </a:ext>
             </a:extLst>
           </p:cNvSpPr>
@@ -1480,7 +1481,7 @@
           <a:lstStyle/>
           <a:p>
             <a:pPr/>
-            <a:fld id="{03A9F923-6DEE-FC0F-A011-9B5AB75F56CE}" type="slidenum">
+            <a:fld id="{33B59239-77DE-E064-900D-8131DC4366D4}" type="slidenum">
               <a:t/>
             </a:fld>
           </a:p>
@@ -1518,7 +1519,7 @@
             <a:spLocks noGrp="1" noChangeArrowheads="1"/>
             <a:extLst>
               <a:ext uri="smNativeData">
-                <pr:smNativeData xmlns:pr="smNativeData" val="SMDATA_13_Zg2zYxMAAAAlAAAAZAAAAA8BAAAAkAAAAEgAAACQAAAASAAAAAAAAAABAAAAAAAAAAEAAABQAAAAAAAAAAAA4D8AAAAAAADgPwAAAAAAAOA/AAAAAAAA4D8AAAAAAADgPwAAAAAAAOA/AAAAAAAA4D8AAAAAAADgPwAAAAAAAOA/AAAAAAAA4D8CAAAAjAAAAAAAAAAAAAAAu+DjDP///wgAAAAAAAAAAAAAAAAAAAAAAAAAAAAAAAAAAAAAZAAAAAEAAABAAAAAAAAAAAAAAAAAAAAAAAAAAAAAAAAAAAAAAAAAAAAAAAAAAAAAAAAAAAAAAAAAAAAAAAAAAAAAAAAAAAAAAAAAAAAAAAAAAAAAAAAAAAAAAAAAAAAAFAAAADwAAAAAAAAAAAAAAAAAAAkUAAAAAQAAABQAAAAUAAAAFAAAAAEAAAAAAAAAZAAAAGQAAAAAAAAAZAAAAGQAAAAVAAAAYAAAAAAAAAAAAAAADwAAACADAAAAAAAAAAAAAAEAAACgMgAAVgcAAKr4//8BAAAAf39/AAEAAABkAAAAAAAAABQAAABAHwAAAAAAACYAAAAAAAAAwOD//wAAAAAmAAAAZAAAABYAAABMAAAAAAAAAAAAAAAEAAAAAAAAAAEAAACAgIAKAAAAACgAAAAoAAAAZAAAAGQAAAAAAAAAzMzMAAAAAABQAAAAUAAAAGQAAABkAAAAAAAAABcAAAAUAAAAAAAAAAAAAAD/fwAA/38AAAAAAAAJAAAABAAAAAQAxWgMAAAAEAAAAAAAAAAAAAAAAAAAAAAAAAAeAAAAaAAAAAAAAAAAAAAAAAAAAAAAAAAAAAAAECcAABAnAAAAAAAAAAAAAAAAAAAAAAAAAAAAAAAAAAAAAAAAAAAAABQAAAAAAAAAwMD/AAAAAABkAAAAMgAAAAAAAABkAAAAAAAAAH9/fwAKAAAAHwAAAFQAAAAAAAAFAAAAAQAAAAAAAAAAAAAAAAAAAAAAAAAAAAAAAAAAAAAAAAAAAAAAAn9/fwAAAAADzMzMAMDA/wB/f38AAAAAAAAAAAAAAAAAAAAAAAAAAAAhAAAAGAAAABQAAADQAgAAsAEAAHA1AAC4CAAAEAAAACYAAAAIAAAAAAAAAAAAAAA="/>
+                <pr:smNativeData xmlns:pr="smNativeData" val="SMDATA_13_mZ/BYxMAAAAlAAAAZAAAAA8BAAAAkAAAAEgAAACQAAAASAAAAAAAAAABAAAAAAAAAAEAAABQAAAAAAAAAAAA4D8AAAAAAADgPwAAAAAAAOA/AAAAAAAA4D8AAAAAAADgPwAAAAAAAOA/AAAAAAAA4D8AAAAAAADgPwAAAAAAAOA/AAAAAAAA4D8CAAAAjAAAAAAAAAAAAAAAu+DjDP///wgAAAAAAAAAAAAAAAAAAAAAAAAAAAAAAAAAAAAAZAAAAAEAAABAAAAAAAAAAAAAAAAAAAAAAAAAAAAAAAAAAAAAAAAAAAAAAAAAAAAAAAAAAAAAAAAAAAAAAAAAAAAAAAAAAAAAAAAAAAAAAAAAAAAAAAAAAAAAAAAAAAAAFAAAADwAAAAAAAAAAAAAAAAAAAkUAAAAAQAAABQAAAAUAAAAFAAAAAEAAAAAAAAAZAAAAGQAAAAAAAAAZAAAAGQAAAAVAAAAYAAAAAAAAAAAAAAADwAAACADAAAAAAAAAAAAAAEAAACgMgAAVgcAAKr4//8BAAAAf39/AAEAAABkAAAAAAAAABQAAABAHwAAAAAAACYAAAAAAAAAwOD//wAAAAAmAAAAZAAAABYAAABMAAAAAAAAAAAAAAAEAAAAAAAAAAEAAACAgIAKAAAAACgAAAAoAAAAZAAAAGQAAAAAAAAAzMzMAAAAAABQAAAAUAAAAGQAAABkAAAAAAAAABcAAAAUAAAAAAAAAAAAAAD/fwAA/38AAAAAAAAJAAAABAAAAAQAxWgMAAAAEAAAAAAAAAAAAAAAAAAAAAAAAAAeAAAAaAAAAAAAAAAAAAAAAAAAAAAAAAAAAAAAECcAABAnAAAAAAAAAAAAAAAAAAAAAAAAAAAAAAAAAAAAAAAAAAAAABQAAAAAAAAAwMD/AAAAAABkAAAAMgAAAAAAAABkAAAAAAAAAH9/fwAKAAAAHwAAAFQAAAAAAAAFAAAAAQAAAAAAAAAAAAAAAAAAAAAAAAAAAAAAAAAAAAAAAAAAAAAAAn9/fwAAAAADzMzMAMDA/wB/f38AAAAAAAAAAAAAAAAAAAAAAAAAAAAhAAAAGAAAABQAAADQAgAAsAEAAHA1AAC4CAAAEAAAACYAAAAIAAAAAAAAAAAAAAA="/>
               </a:ext>
             </a:extLst>
           </p:cNvSpPr>
@@ -1545,7 +1546,7 @@
             <a:spLocks noGrp="1" noChangeArrowheads="1"/>
             <a:extLst>
               <a:ext uri="smNativeData">
-                <pr:smNativeData xmlns:pr="smNativeData" val="SMDATA_13_Zg2zYxMAAAAlAAAAZAAAAA8BAAAAkAAAAEgAAACQAAAASAAAAAAAAAACAAAAAAAAAAEAAABQAAAAAAAAAAAA4D8AAAAAAADgPwAAAAAAAOA/AAAAAAAA4D8AAAAAAADgPwAAAAAAAOA/AAAAAAAA4D8AAAAAAADgPwAAAAAAAOA/AAAAAAAA4D8CAAAAjAAAAAAAAAAAAAAAu+DjDP///wgAAAAAAAAAAAAAAAAAAAAAAAAAAAAAAAAAAAAAZAAAAAEAAABAAAAAAAAAAAAAAAAAAAAAAAAAAAAAAAAAAAAAAAAAAAAAAAAAAAAAAAAAAAAAAAAAAAAAAAAAAAAAAAAAAAAAAAAAAAAAAAAAAAAAAAAAAAAAAAAAAAAAFAAAADwAAAAAAAAAAAAAAAAAAAkUAAAAAQAAABQAAAAUAAAAFAAAAAEAAAAAAAAAZAAAAGQAAAAAAAAAZAAAAGQAAAAVAAAAYAAAAAAAAAAAAAAADwAAACADAAAAAAAAAAAAAAEAAACgMgAAVgcAAKr4//8BAAAAf39/AAEAAABkAAAAAAAAABQAAABAHwAAAAAAACYAAAAAAAAAwOD//wAAAAAmAAAAZAAAABYAAABMAAAAAAAAAAAAAAAEAAAAAAAAAAEAAACAgIAKAAAAACgAAAAoAAAAZAAAAGQAAAAAAAAAzMzMAAAAAABQAAAAUAAAAGQAAABkAAAAAAAAABcAAAAUAAAAAAAAAAAAAAD/fwAA/38AAAAAAAAJAAAABAAAAAMAbkEMAAAAEAAAAAAAAAAAAAAAAAAAAAAAAAAeAAAAaAAAAAAAAAAAAAAAAAAAAAAAAAAAAAAAECcAABAnAAAAAAAAAAAAAAAAAAAAAAAAAAAAAAAAAAAAAAAAAAAAABQAAAAAAAAAwMD/AAAAAABkAAAAMgAAAAAAAABkAAAAAAAAAH9/fwAKAAAAHwAAAFQAAAAAAAAFAAAAAQAAAAAAAAAAAAAAAAAAAAAAAAAAAAAAAAAAAAAAAAAAAAAAAn9/fwAAAAADzMzMAMDA/wB/f38AAAAAAAAAAAAAAAAAAAAAAAAAAAAhAAAAGAAAABQAAADQAgAAcQkAAKobAABhDQAAEAAAACYAAAAIAAAAgYAAAAAAAAA="/>
+                <pr:smNativeData xmlns:pr="smNativeData" val="SMDATA_13_mZ/BYxMAAAAlAAAAZAAAAA8BAAAAkAAAAEgAAACQAAAASAAAAAAAAAACAAAAAAAAAAEAAABQAAAAAAAAAAAA4D8AAAAAAADgPwAAAAAAAOA/AAAAAAAA4D8AAAAAAADgPwAAAAAAAOA/AAAAAAAA4D8AAAAAAADgPwAAAAAAAOA/AAAAAAAA4D8CAAAAjAAAAAAAAAAAAAAAu+DjDP///wgAAAAAAAAAAAAAAAAAAAAAAAAAAAAAAAAAAAAAZAAAAAEAAABAAAAAAAAAAAAAAAAAAAAAAAAAAAAAAAAAAAAAAAAAAAAAAAAAAAAAAAAAAAAAAAAAAAAAAAAAAAAAAAAAAAAAAAAAAAAAAAAAAAAAAAAAAAAAAAAAAAAAFAAAADwAAAAAAAAAAAAAAAAAAAkUAAAAAQAAABQAAAAUAAAAFAAAAAEAAAAAAAAAZAAAAGQAAAAAAAAAZAAAAGQAAAAVAAAAYAAAAAAAAAAAAAAADwAAACADAAAAAAAAAAAAAAEAAACgMgAAVgcAAKr4//8BAAAAf39/AAEAAABkAAAAAAAAABQAAABAHwAAAAAAACYAAAAAAAAAwOD//wAAAAAmAAAAZAAAABYAAABMAAAAAAAAAAAAAAAEAAAAAAAAAAEAAACAgIAKAAAAACgAAAAoAAAAZAAAAGQAAAAAAAAAzMzMAAAAAABQAAAAUAAAAGQAAABkAAAAAAAAABcAAAAUAAAAAAAAAAAAAAD/fwAA/38AAAAAAAAJAAAABAAAAAMAbkEMAAAAEAAAAAAAAAAAAAAAAAAAAAAAAAAeAAAAaAAAAAAAAAAAAAAAAAAAAAAAAAAAAAAAECcAABAnAAAAAAAAAAAAAAAAAAAAAAAAAAAAAAAAAAAAAAAAAAAAABQAAAAAAAAAwMD/AAAAAABkAAAAMgAAAAAAAABkAAAAAAAAAH9/fwAKAAAAHwAAAFQAAAAAAAAFAAAAAQAAAAAAAAAAAAAAAAAAAAAAAAAAAAAAAAAAAAAAAAAAAAAAAn9/fwAAAAADzMzMAMDA/wB/f38AAAAAAAAAAAAAAAAAAAAAAAAAAAAhAAAAGAAAABQAAADQAgAAcQkAAKobAABhDQAAEAAAACYAAAAIAAAAgYAAAAAAAAA="/>
               </a:ext>
             </a:extLst>
           </p:cNvSpPr>
@@ -1618,7 +1619,7 @@
             <a:spLocks noGrp="1" noChangeArrowheads="1"/>
             <a:extLst>
               <a:ext uri="smNativeData">
-                <pr:smNativeData xmlns:pr="smNativeData" val="SMDATA_13_Zg2zYxMAAAAlAAAAZAAAAA8BAAAAkAAAAEgAAACQAAAASAAAAAAAAAAAAAAAAAAAAAEAAABQAAAAAAAAAAAA4D8AAAAAAADgPwAAAAAAAOA/AAAAAAAA4D8AAAAAAADgPwAAAAAAAOA/AAAAAAAA4D8AAAAAAADgPwAAAAAAAOA/AAAAAAAA4D8CAAAAjAAAAAAAAAAAAAAAu+DjDP///wgAAAAAAAAAAAAAAAAAAAAAAAAAAAAAAAAAAAAAZAAAAAEAAABAAAAAAAAAAAAAAAAAAAAAAAAAAAAAAAAAAAAAAAAAAAAAAAAAAAAAAAAAAAAAAAAAAAAAAAAAAAAAAAAAAAAAAAAAAAAAAAAAAAAAAAAAAAAAAAAAAAAAFAAAADwAAAAAAAAAAAAAAAAAAAkUAAAAAQAAABQAAAAUAAAAFAAAAAEAAAAAAAAAZAAAAGQAAAAAAAAAZAAAAGQAAAAVAAAAYAAAAAAAAAAAAAAADwAAACADAAAAAAAAAAAAAAEAAACgMgAAVgcAAKr4//8BAAAAf39/AAEAAABkAAAAAAAAABQAAABAHwAAAAAAACYAAAAAAAAAwOD//wAAAAAmAAAAZAAAABYAAABMAAAAAAAAAAAAAAAEAAAAAAAAAAEAAACAgIAKAAAAACgAAAAoAAAAZAAAAGQAAAAAAAAAzMzMAAAAAABQAAAAUAAAAGQAAABkAAAAAAAAABcAAAAUAAAAAAAAAAAAAAD/fwAA/38AAAAAAAAJAAAABAAAAAMAhUEMAAAAEAAAAAAAAAAAAAAAAAAAAAAAAAAeAAAAaAAAAAAAAAAAAAAAAAAAAAAAAAAAAAAAECcAABAnAAAAAAAAAAAAAAAAAAAAAAAAAAAAAAAAAAAAAAAAAAAAABQAAAAAAAAAwMD/AAAAAABkAAAAMgAAAAAAAABkAAAAAAAAAH9/fwAKAAAAHwAAAFQAAAAAAAAFAAAAAQAAAAAAAAAAAAAAAAAAAAAAAAAAAAAAAAAAAAAAAAAAAAAAAn9/fwAAAAADzMzMAMDA/wB/f38AAAAAAAAAAAAAAAAAAAAAAAAAAAAhAAAAGAAAABQAAADQAgAAYQ0AAKobAACwJQAAEAAAACYAAAAIAAAAAYAAAAAAAAA="/>
+                <pr:smNativeData xmlns:pr="smNativeData" val="SMDATA_13_mZ/BYxMAAAAlAAAAZAAAAA8BAAAAkAAAAEgAAACQAAAASAAAAAAAAAAAAAAAAAAAAAEAAABQAAAAAAAAAAAA4D8AAAAAAADgPwAAAAAAAOA/AAAAAAAA4D8AAAAAAADgPwAAAAAAAOA/AAAAAAAA4D8AAAAAAADgPwAAAAAAAOA/AAAAAAAA4D8CAAAAjAAAAAAAAAAAAAAAu+DjDP///wgAAAAAAAAAAAAAAAAAAAAAAAAAAAAAAAAAAAAAZAAAAAEAAABAAAAAAAAAAAAAAAAAAAAAAAAAAAAAAAAAAAAAAAAAAAAAAAAAAAAAAAAAAAAAAAAAAAAAAAAAAAAAAAAAAAAAAAAAAAAAAAAAAAAAAAAAAAAAAAAAAAAAFAAAADwAAAAAAAAAAAAAAAAAAAkUAAAAAQAAABQAAAAUAAAAFAAAAAEAAAAAAAAAZAAAAGQAAAAAAAAAZAAAAGQAAAAVAAAAYAAAAAAAAAAAAAAADwAAACADAAAAAAAAAAAAAAEAAACgMgAAVgcAAKr4//8BAAAAf39/AAEAAABkAAAAAAAAABQAAABAHwAAAAAAACYAAAAAAAAAwOD//wAAAAAmAAAAZAAAABYAAABMAAAAAAAAAAAAAAAEAAAAAAAAAAEAAACAgIAKAAAAACgAAAAoAAAAZAAAAGQAAAAAAAAAzMzMAAAAAABQAAAAUAAAAGQAAABkAAAAAAAAABcAAAAUAAAAAAAAAAAAAAD/fwAA/38AAAAAAAAJAAAABAAAAAMAhUEMAAAAEAAAAAAAAAAAAAAAAAAAAAAAAAAeAAAAaAAAAAAAAAAAAAAAAAAAAAAAAAAAAAAAECcAABAnAAAAAAAAAAAAAAAAAAAAAAAAAAAAAAAAAAAAAAAAAAAAABQAAAAAAAAAwMD/AAAAAABkAAAAMgAAAAAAAABkAAAAAAAAAH9/fwAKAAAAHwAAAFQAAAAAAAAFAAAAAQAAAAAAAAAAAAAAAAAAAAAAAAAAAAAAAAAAAAAAAAAAAAAAAn9/fwAAAAADzMzMAMDA/wB/f38AAAAAAAAAAAAAAAAAAAAAAAAAAAAhAAAAGAAAABQAAADQAgAAYQ0AAKobAACwJQAAEAAAACYAAAAIAAAAAYAAAAAAAAA="/>
               </a:ext>
             </a:extLst>
           </p:cNvSpPr>
@@ -1702,7 +1703,7 @@
             <a:spLocks noGrp="1" noChangeArrowheads="1"/>
             <a:extLst>
               <a:ext uri="smNativeData">
-                <pr:smNativeData xmlns:pr="smNativeData" val="SMDATA_13_Zg2zYxMAAAAlAAAAZAAAAA8BAAAAkAAAAEgAAACQAAAASAAAAAAAAAACAAAAAAAAAAEAAABQAAAAAAAAAAAA4D8AAAAAAADgPwAAAAAAAOA/AAAAAAAA4D8AAAAAAADgPwAAAAAAAOA/AAAAAAAA4D8AAAAAAADgPwAAAAAAAOA/AAAAAAAA4D8CAAAAjAAAAAAAAAAAAAAAu+DjDP///wgAAAAAAAAAAAAAAAAAAAAAAAAAAAAAAAAAAAAAZAAAAAEAAABAAAAAAAAAAAAAAAAAAAAAAAAAAAAAAAAAAAAAAAAAAAAAAAAAAAAAAAAAAAAAAAAAAAAAAAAAAAAAAAAAAAAAAAAAAAAAAAAAAAAAAAAAAAAAAAAAAAAAFAAAADwAAAAAAAAAAAAAAAAAAAkUAAAAAQAAABQAAAAUAAAAFAAAAAEAAAAAAAAAZAAAAGQAAAAAAAAAZAAAAGQAAAAVAAAAYAAAAAAAAAAAAAAADwAAACADAAAAAAAAAAAAAAEAAACgMgAAVgcAAKr4//8BAAAAf39/AAEAAABkAAAAAAAAABQAAABAHwAAAAAAACYAAAAAAAAAwOD//wAAAAAmAAAAZAAAABYAAABMAAAAAAAAAAAAAAAEAAAAAAAAAAEAAACAgIAKAAAAACgAAAAoAAAAZAAAAGQAAAAAAAAAzMzMAAAAAABQAAAAUAAAAGQAAABkAAAAAAAAABcAAAAUAAAAAAAAAAAAAAD/fwAA/38AAAAAAAAJAAAABAAAAOOYAwAMAAAAEAAAAAAAAAAAAAAAAAAAAAAAAAAeAAAAaAAAAAAAAAAAAAAAAAAAAAAAAAAAAAAAECcAABAnAAAAAAAAAAAAAAAAAAAAAAAAAAAAAAAAAAAAAAAAAAAAABQAAAAAAAAAwMD/AAAAAABkAAAAMgAAAAAAAABkAAAAAAAAAH9/fwAKAAAAHwAAAFQAAAAAAAAFAAAAAQAAAAAAAAAAAAAAAAAAAAAAAAAAAAAAAAAAAAAAAAAAAAAAAn9/fwAAAAADzMzMAMDA/wB/f38AAAAAAAAAAAAAAAAAAAAAAAAAAAAhAAAAGAAAABQAAACWHAAAcQkAAHA1AABhDQAAEAAAACYAAAAIAAAAgYAAAAAAAAA="/>
+                <pr:smNativeData xmlns:pr="smNativeData" val="SMDATA_13_mZ/BYxMAAAAlAAAAZAAAAA8BAAAAkAAAAEgAAACQAAAASAAAAAAAAAACAAAAAAAAAAEAAABQAAAAAAAAAAAA4D8AAAAAAADgPwAAAAAAAOA/AAAAAAAA4D8AAAAAAADgPwAAAAAAAOA/AAAAAAAA4D8AAAAAAADgPwAAAAAAAOA/AAAAAAAA4D8CAAAAjAAAAAAAAAAAAAAAu+DjDP///wgAAAAAAAAAAAAAAAAAAAAAAAAAAAAAAAAAAAAAZAAAAAEAAABAAAAAAAAAAAAAAAAAAAAAAAAAAAAAAAAAAAAAAAAAAAAAAAAAAAAAAAAAAAAAAAAAAAAAAAAAAAAAAAAAAAAAAAAAAAAAAAAAAAAAAAAAAAAAAAAAAAAAFAAAADwAAAAAAAAAAAAAAAAAAAkUAAAAAQAAABQAAAAUAAAAFAAAAAEAAAAAAAAAZAAAAGQAAAAAAAAAZAAAAGQAAAAVAAAAYAAAAAAAAAAAAAAADwAAACADAAAAAAAAAAAAAAEAAACgMgAAVgcAAKr4//8BAAAAf39/AAEAAABkAAAAAAAAABQAAABAHwAAAAAAACYAAAAAAAAAwOD//wAAAAAmAAAAZAAAABYAAABMAAAAAAAAAAAAAAAEAAAAAAAAAAEAAACAgIAKAAAAACgAAAAoAAAAZAAAAGQAAAAAAAAAzMzMAAAAAABQAAAAUAAAAGQAAABkAAAAAAAAABcAAAAUAAAAAAAAAAAAAAD/fwAA/38AAAAAAAAJAAAABAAAAOOYAwAMAAAAEAAAAAAAAAAAAAAAAAAAAAAAAAAeAAAAaAAAAAAAAAAAAAAAAAAAAAAAAAAAAAAAECcAABAnAAAAAAAAAAAAAAAAAAAAAAAAAAAAAAAAAAAAAAAAAAAAABQAAAAAAAAAwMD/AAAAAABkAAAAMgAAAAAAAABkAAAAAAAAAH9/fwAKAAAAHwAAAFQAAAAAAAAFAAAAAQAAAAAAAAAAAAAAAAAAAAAAAAAAAAAAAAAAAAAAAAAAAAAAAn9/fwAAAAADzMzMAMDA/wB/f38AAAAAAAAAAAAAAAAAAAAAAAAAAAAhAAAAGAAAABQAAACWHAAAcQkAAHA1AABhDQAAEAAAACYAAAAIAAAAgYAAAAAAAAA="/>
               </a:ext>
             </a:extLst>
           </p:cNvSpPr>
@@ -1775,7 +1776,7 @@
             <a:spLocks noGrp="1" noChangeArrowheads="1"/>
             <a:extLst>
               <a:ext uri="smNativeData">
-                <pr:smNativeData xmlns:pr="smNativeData" val="SMDATA_13_Zg2zYxMAAAAlAAAAZAAAAA8BAAAAkAAAAEgAAACQAAAASAAAAAAAAAAAAAAAAAAAAAEAAABQAAAAAAAAAAAA4D8AAAAAAADgPwAAAAAAAOA/AAAAAAAA4D8AAAAAAADgPwAAAAAAAOA/AAAAAAAA4D8AAAAAAADgPwAAAAAAAOA/AAAAAAAA4D8CAAAAjAAAAAAAAAAAAAAAu+DjDP///wgAAAAAAAAAAAAAAAAAAAAAAAAAAAAAAAAAAAAAZAAAAAEAAABAAAAAAAAAAAAAAAAAAAAAAAAAAAAAAAAAAAAAAAAAAAAAAAAAAAAAAAAAAAAAAAAAAAAAAAAAAAAAAAAAAAAAAAAAAAAAAAAAAAAAAAAAAAAAAAAAAAAAFAAAADwAAAAAAAAAAAAAAAAAAAkUAAAAAQAAABQAAAAUAAAAFAAAAAEAAAAAAAAAZAAAAGQAAAAAAAAAZAAAAGQAAAAVAAAAYAAAAAAAAAAAAAAADwAAACADAAAAAAAAAAAAAAEAAACgMgAAVgcAAKr4//8BAAAAf39/AAEAAABkAAAAAAAAABQAAABAHwAAAAAAACYAAAAAAAAAwOD//wAAAAAmAAAAZAAAABYAAABMAAAAAAAAAAAAAAAEAAAAAAAAAAEAAACAgIAKAAAAACgAAAAoAAAAZAAAAGQAAAAAAAAAzMzMAAAAAABQAAAAUAAAAGQAAABkAAAAAAAAABcAAAAUAAAAAAAAAAAAAAD/fwAA/38AAAAAAAAJAAAABAAAAAMAjgwMAAAAEAAAAAAAAAAAAAAAAAAAAAAAAAAeAAAAaAAAAAAAAAAAAAAAAAAAAAAAAAAAAAAAECcAABAnAAAAAAAAAAAAAAAAAAAAAAAAAAAAAAAAAAAAAAAAAAAAABQAAAAAAAAAwMD/AAAAAABkAAAAMgAAAAAAAABkAAAAAAAAAH9/fwAKAAAAHwAAAFQAAAAAAAAFAAAAAQAAAAAAAAAAAAAAAAAAAAAAAAAAAAAAAAAAAAAAAAAAAAAAAn9/fwAAAAADzMzMAMDA/wB/f38AAAAAAAAAAAAAAAAAAAAAAAAAAAAhAAAAGAAAABQAAACWHAAAYQ0AAHA1AACwJQAAEAAAACYAAAAIAAAAAYAAAAAAAAA="/>
+                <pr:smNativeData xmlns:pr="smNativeData" val="SMDATA_13_mZ/BYxMAAAAlAAAAZAAAAA8BAAAAkAAAAEgAAACQAAAASAAAAAAAAAAAAAAAAAAAAAEAAABQAAAAAAAAAAAA4D8AAAAAAADgPwAAAAAAAOA/AAAAAAAA4D8AAAAAAADgPwAAAAAAAOA/AAAAAAAA4D8AAAAAAADgPwAAAAAAAOA/AAAAAAAA4D8CAAAAjAAAAAAAAAAAAAAAu+DjDP///wgAAAAAAAAAAAAAAAAAAAAAAAAAAAAAAAAAAAAAZAAAAAEAAABAAAAAAAAAAAAAAAAAAAAAAAAAAAAAAAAAAAAAAAAAAAAAAAAAAAAAAAAAAAAAAAAAAAAAAAAAAAAAAAAAAAAAAAAAAAAAAAAAAAAAAAAAAAAAAAAAAAAAFAAAADwAAAAAAAAAAAAAAAAAAAkUAAAAAQAAABQAAAAUAAAAFAAAAAEAAAAAAAAAZAAAAGQAAAAAAAAAZAAAAGQAAAAVAAAAYAAAAAAAAAAAAAAADwAAACADAAAAAAAAAAAAAAEAAACgMgAAVgcAAKr4//8BAAAAf39/AAEAAABkAAAAAAAAABQAAABAHwAAAAAAACYAAAAAAAAAwOD//wAAAAAmAAAAZAAAABYAAABMAAAAAAAAAAAAAAAEAAAAAAAAAAEAAACAgIAKAAAAACgAAAAoAAAAZAAAAGQAAAAAAAAAzMzMAAAAAABQAAAAUAAAAGQAAABkAAAAAAAAABcAAAAUAAAAAAAAAAAAAAD/fwAA/38AAAAAAAAJAAAABAAAAAMAjgwMAAAAEAAAAAAAAAAAAAAAAAAAAAAAAAAeAAAAaAAAAAAAAAAAAAAAAAAAAAAAAAAAAAAAECcAABAnAAAAAAAAAAAAAAAAAAAAAAAAAAAAAAAAAAAAAAAAAAAAABQAAAAAAAAAwMD/AAAAAABkAAAAMgAAAAAAAABkAAAAAAAAAH9/fwAKAAAAHwAAAFQAAAAAAAAFAAAAAQAAAAAAAAAAAAAAAAAAAAAAAAAAAAAAAAAAAAAAAAAAAAAAAn9/fwAAAAADzMzMAMDA/wB/f38AAAAAAAAAAAAAAAAAAAAAAAAAAAAhAAAAGAAAABQAAACWHAAAYQ0AAHA1AACwJQAAEAAAACYAAAAIAAAAAYAAAAAAAAA="/>
               </a:ext>
             </a:extLst>
           </p:cNvSpPr>
@@ -1859,7 +1860,7 @@
             <a:spLocks noGrp="1" noChangeArrowheads="1"/>
             <a:extLst>
               <a:ext uri="smNativeData">
-                <pr:smNativeData xmlns:pr="smNativeData" val="SMDATA_13_Zg2zYxMAAAAlAAAAZAAAAA8BAAAAkAAAAEgAAACQAAAASAAAAAAAAAABAAAAAAAAAAEAAABQAAAAAAAAAAAA4D8AAAAAAADgPwAAAAAAAOA/AAAAAAAA4D8AAAAAAADgPwAAAAAAAOA/AAAAAAAA4D8AAAAAAADgPwAAAAAAAOA/AAAAAAAA4D8CAAAAjAAAAAAAAAAAAAAAu+DjDP///wgAAAAAAAAAAAAAAAAAAAAAAAAAAAAAAAAAAAAAZAAAAAEAAABAAAAAAAAAAAAAAAAAAAAAAAAAAAAAAAAAAAAAAAAAAAAAAAAAAAAAAAAAAAAAAAAAAAAAAAAAAAAAAAAAAAAAAAAAAAAAAAAAAAAAAAAAAAAAAAAAAAAAFAAAADwAAAAAAAAAAAAAAAAAAAkUAAAAAQAAABQAAAAUAAAAFAAAAAEAAAAAAAAAZAAAAGQAAAAAAAAAZAAAAGQAAAAVAAAAYAAAAAAAAAAAAAAADwAAACADAAAAAAAAAAAAAAEAAACgMgAAVgcAAKr4//8BAAAAf39/AAEAAABkAAAAAAAAABQAAABAHwAAAAAAACYAAAAAAAAAwOD//wAAAAAmAAAAZAAAABYAAABMAAAAAAAAAAAAAAAEAAAAAAAAAAEAAACAgIAKAAAAACgAAAAoAAAAZAAAAGQAAAAAAAAAzMzMAAAAAABQAAAAUAAAAGQAAABkAAAAAAAAABcAAAAUAAAAAAAAAAAAAAD/fwAA/38AAAAAAAAJAAAABAAAAM9Aa2gMAAAAEAAAAAAAAAAAAAAAAAAAAAAAAAAeAAAAaAAAAAAAAAAAAAAAAAAAAAAAAAAAAAAAECcAABAnAAAAAAAAAAAAAAAAAAAAAAAAAAAAAAAAAAAAAAAAAAAAABQAAAAAAAAAwMD/AAAAAABkAAAAMgAAAAAAAABkAAAAAAAAAH9/fwAKAAAAHwAAAFQAAAAAAAAFAAAAAQAAAAAAAAAAAAAAAAAAAAAAAAAAAAAAAAAAAAAAAAAAAAAAAn9/fwAAAAADzMzMAMDA/wB/f38AAAAAAAAAAAAAAAAAAAAAAAAAAAAhAAAAGAAAABQAAADQAgAAGycAAPAPAABZKQAAEAAAACYAAAAIAAAAAAAAAAAAAAA="/>
+                <pr:smNativeData xmlns:pr="smNativeData" val="SMDATA_13_mZ/BYxMAAAAlAAAAZAAAAA8BAAAAkAAAAEgAAACQAAAASAAAAAAAAAABAAAAAAAAAAEAAABQAAAAAAAAAAAA4D8AAAAAAADgPwAAAAAAAOA/AAAAAAAA4D8AAAAAAADgPwAAAAAAAOA/AAAAAAAA4D8AAAAAAADgPwAAAAAAAOA/AAAAAAAA4D8CAAAAjAAAAAAAAAAAAAAAu+DjDP///wgAAAAAAAAAAAAAAAAAAAAAAAAAAAAAAAAAAAAAZAAAAAEAAABAAAAAAAAAAAAAAAAAAAAAAAAAAAAAAAAAAAAAAAAAAAAAAAAAAAAAAAAAAAAAAAAAAAAAAAAAAAAAAAAAAAAAAAAAAAAAAAAAAAAAAAAAAAAAAAAAAAAAFAAAADwAAAAAAAAAAAAAAAAAAAkUAAAAAQAAABQAAAAUAAAAFAAAAAEAAAAAAAAAZAAAAGQAAAAAAAAAZAAAAGQAAAAVAAAAYAAAAAAAAAAAAAAADwAAACADAAAAAAAAAAAAAAEAAACgMgAAVgcAAKr4//8BAAAAf39/AAEAAABkAAAAAAAAABQAAABAHwAAAAAAACYAAAAAAAAAwOD//wAAAAAmAAAAZAAAABYAAABMAAAAAAAAAAAAAAAEAAAAAAAAAAEAAACAgIAKAAAAACgAAAAoAAAAZAAAAGQAAAAAAAAAzMzMAAAAAABQAAAAUAAAAGQAAABkAAAAAAAAABcAAAAUAAAAAAAAAAAAAAD/fwAA/38AAAAAAAAJAAAABAAAAM9Aa2gMAAAAEAAAAAAAAAAAAAAAAAAAAAAAAAAeAAAAaAAAAAAAAAAAAAAAAAAAAAAAAAAAAAAAECcAABAnAAAAAAAAAAAAAAAAAAAAAAAAAAAAAAAAAAAAAAAAAAAAABQAAAAAAAAAwMD/AAAAAABkAAAAMgAAAAAAAABkAAAAAAAAAH9/fwAKAAAAHwAAAFQAAAAAAAAFAAAAAQAAAAAAAAAAAAAAAAAAAAAAAAAAAAAAAAAAAAAAAAAAAAAAAn9/fwAAAAADzMzMAMDA/wB/f38AAAAAAAAAAAAAAAAAAAAAAAAAAAAhAAAAGAAAABQAAADQAgAAGycAAPAPAABZKQAAEAAAACYAAAAIAAAAAAAAAAAAAAA="/>
               </a:ext>
             </a:extLst>
           </p:cNvSpPr>
@@ -1873,7 +1874,7 @@
           <a:lstStyle/>
           <a:p>
             <a:pPr/>
-            <a:fld id="{03A9CC91-DFEE-FC3A-A011-296F825F567C}" type="datetime1">
+            <a:fld id="{33B5EBC4-8ADE-E01D-900D-7C48A5436629}" type="datetime1">
               <a:t/>
             </a:fld>
           </a:p>
@@ -1886,7 +1887,7 @@
             <a:spLocks noGrp="1" noChangeArrowheads="1"/>
             <a:extLst>
               <a:ext uri="smNativeData">
-                <pr:smNativeData xmlns:pr="smNativeData" val="SMDATA_13_Zg2zYxMAAAAlAAAAZAAAAA8BAAAAkAAAAEgAAACQAAAASAAAAAAAAAABAAAAAAAAAAEAAABQAAAAAAAAAAAA4D8AAAAAAADgPwAAAAAAAOA/AAAAAAAA4D8AAAAAAADgPwAAAAAAAOA/AAAAAAAA4D8AAAAAAADgPwAAAAAAAOA/AAAAAAAA4D8CAAAAjAAAAAAAAAAAAAAAu+DjDP///wgAAAAAAAAAAAAAAAAAAAAAAAAAAAAAAAAAAAAAZAAAAAEAAABAAAAAAAAAAAAAAAAAAAAAAAAAAAAAAAAAAAAAAAAAAAAAAAAAAAAAAAAAAAAAAAAAAAAAAAAAAAAAAAAAAAAAAAAAAAAAAAAAAAAAAAAAAAAAAAAAAAAAFAAAADwAAAAAAAAAAAAAAAAAAAkUAAAAAQAAABQAAAAUAAAAFAAAAAEAAAAAAAAAZAAAAGQAAAAAAAAAZAAAAGQAAAAVAAAAYAAAAAAAAAAAAAAADwAAACADAAAAAAAAAAAAAAEAAACgMgAAVgcAAKr4//8BAAAAf39/AAEAAABkAAAAAAAAABQAAABAHwAAAAAAACYAAAAAAAAAwOD//wAAAAAmAAAAZAAAABYAAABMAAAAAAAAAAAAAAAEAAAAAAAAAAEAAACAgIAKAAAAACgAAAAoAAAAZAAAAGQAAAAAAAAAzMzMAAAAAABQAAAAUAAAAGQAAABkAAAAAAAAABcAAAAUAAAAAAAAAAAAAAD/fwAA/38AAAAAAAAJAAAABAAAAHJ+AwAMAAAAEAAAAAAAAAAAAAAAAAAAAAAAAAAeAAAAaAAAAAAAAAAAAAAAAAAAAAAAAAAAAAAAECcAABAnAAAAAAAAAAAAAAAAAAAAAAAAAAAAAAAAAAAAAAAAAAAAABQAAAAAAAAAwMD/AAAAAABkAAAAMgAAAAAAAABkAAAAAAAAAH9/fwAKAAAAHwAAAFQAAAAAAAAFAAAAAQAAAAAAAAAAAAAAAAAAAAAAAAAAAAAAAAAAAAAAAAAAAAAAAn9/fwAAAAADzMzMAMDA/wB/f38AAAAAAAAAAAAAAAAAAAAAAAAAAAAhAAAAGAAAABQAAAA4EwAAGycAAAglAABZKQAAEAAAACYAAAAIAAAAAAAAAAAAAAA="/>
+                <pr:smNativeData xmlns:pr="smNativeData" val="SMDATA_13_mZ/BYxMAAAAlAAAAZAAAAA8BAAAAkAAAAEgAAACQAAAASAAAAAAAAAABAAAAAAAAAAEAAABQAAAAAAAAAAAA4D8AAAAAAADgPwAAAAAAAOA/AAAAAAAA4D8AAAAAAADgPwAAAAAAAOA/AAAAAAAA4D8AAAAAAADgPwAAAAAAAOA/AAAAAAAA4D8CAAAAjAAAAAAAAAAAAAAAu+DjDP///wgAAAAAAAAAAAAAAAAAAAAAAAAAAAAAAAAAAAAAZAAAAAEAAABAAAAAAAAAAAAAAAAAAAAAAAAAAAAAAAAAAAAAAAAAAAAAAAAAAAAAAAAAAAAAAAAAAAAAAAAAAAAAAAAAAAAAAAAAAAAAAAAAAAAAAAAAAAAAAAAAAAAAFAAAADwAAAAAAAAAAAAAAAAAAAkUAAAAAQAAABQAAAAUAAAAFAAAAAEAAAAAAAAAZAAAAGQAAAAAAAAAZAAAAGQAAAAVAAAAYAAAAAAAAAAAAAAADwAAACADAAAAAAAAAAAAAAEAAACgMgAAVgcAAKr4//8BAAAAf39/AAEAAABkAAAAAAAAABQAAABAHwAAAAAAACYAAAAAAAAAwOD//wAAAAAmAAAAZAAAABYAAABMAAAAAAAAAAAAAAAEAAAAAAAAAAEAAACAgIAKAAAAACgAAAAoAAAAZAAAAGQAAAAAAAAAzMzMAAAAAABQAAAAUAAAAGQAAABkAAAAAAAAABcAAAAUAAAAAAAAAAAAAAD/fwAA/38AAAAAAAAJAAAABAAAAHJ+AwAMAAAAEAAAAAAAAAAAAAAAAAAAAAAAAAAeAAAAaAAAAAAAAAAAAAAAAAAAAAAAAAAAAAAAECcAABAnAAAAAAAAAAAAAAAAAAAAAAAAAAAAAAAAAAAAAAAAAAAAABQAAAAAAAAAwMD/AAAAAABkAAAAMgAAAAAAAABkAAAAAAAAAH9/fwAKAAAAHwAAAFQAAAAAAAAFAAAAAQAAAAAAAAAAAAAAAAAAAAAAAAAAAAAAAAAAAAAAAAAAAAAAAn9/fwAAAAADzMzMAMDA/wB/f38AAAAAAAAAAAAAAAAAAAAAAAAAAAAhAAAAGAAAABQAAAA4EwAAGycAAAglAABZKQAAEAAAACYAAAAIAAAAAAAAAAAAAAA="/>
               </a:ext>
             </a:extLst>
           </p:cNvSpPr>
@@ -1910,7 +1911,7 @@
             <a:spLocks noGrp="1" noChangeArrowheads="1"/>
             <a:extLst>
               <a:ext uri="smNativeData">
-                <pr:smNativeData xmlns:pr="smNativeData" val="SMDATA_13_Zg2zYxMAAAAlAAAAZAAAAA8BAAAAkAAAAEgAAACQAAAASAAAAAAAAAABAAAAAAAAAAEAAABQAAAAAAAAAAAA4D8AAAAAAADgPwAAAAAAAOA/AAAAAAAA4D8AAAAAAADgPwAAAAAAAOA/AAAAAAAA4D8AAAAAAADgPwAAAAAAAOA/AAAAAAAA4D8CAAAAjAAAAAAAAAAAAAAAu+DjDP///wgAAAAAAAAAAAAAAAAAAAAAAAAAAAAAAAAAAAAAZAAAAAEAAABAAAAAAAAAAAAAAAAAAAAAAAAAAAAAAAAAAAAAAAAAAAAAAAAAAAAAAAAAAAAAAAAAAAAAAAAAAAAAAAAAAAAAAAAAAAAAAAAAAAAAAAAAAAAAAAAAAAAAFAAAADwAAAAAAAAAAAAAAAAAAAkUAAAAAQAAABQAAAAUAAAAFAAAAAEAAAAAAAAAZAAAAGQAAAAAAAAAZAAAAGQAAAAVAAAAYAAAAAAAAAAAAAAADwAAACADAAAAAAAAAAAAAAEAAACgMgAAVgcAAKr4//8BAAAAf39/AAEAAABkAAAAAAAAABQAAABAHwAAAAAAACYAAAAAAAAAwOD//wAAAAAmAAAAZAAAABYAAABMAAAAAAAAAAAAAAAEAAAAAAAAAAEAAACAgIAKAAAAACgAAAAoAAAAZAAAAGQAAAAAAAAAzMzMAAAAAABQAAAAUAAAAGQAAABkAAAAAAAAABcAAAAUAAAAAAAAAAAAAAD/fwAA/38AAAAAAAAJAAAABAAAAKVGcaEMAAAAEAAAAAAAAAAAAAAAAAAAAAAAAAAeAAAAaAAAAAAAAAAAAAAAAAAAAAAAAAAAAAAAECcAABAnAAAAAAAAAAAAAAAAAAAAAAAAAAAAAAAAAAAAAAAAAAAAABQAAAAAAAAAwMD/AAAAAABkAAAAMgAAAAAAAABkAAAAAAAAAH9/fwAKAAAAHwAAAFQAAAAAAAAFAAAAAQAAAAAAAAAAAAAAAAAAAAAAAAAAAAAAAAAAAAAAAAAAAAAAAn9/fwAAAAADzMzMAMDA/wB/f38AAAAAAAAAAAAAAAAAAAAAAAAAAAAhAAAAGAAAABQAAABQKAAAGycAAHA1AABZKQAAEAAAACYAAAAIAAAAAAAAAAAAAAA="/>
+                <pr:smNativeData xmlns:pr="smNativeData" val="SMDATA_13_mZ/BYxMAAAAlAAAAZAAAAA8BAAAAkAAAAEgAAACQAAAASAAAAAAAAAABAAAAAAAAAAEAAABQAAAAAAAAAAAA4D8AAAAAAADgPwAAAAAAAOA/AAAAAAAA4D8AAAAAAADgPwAAAAAAAOA/AAAAAAAA4D8AAAAAAADgPwAAAAAAAOA/AAAAAAAA4D8CAAAAjAAAAAAAAAAAAAAAu+DjDP///wgAAAAAAAAAAAAAAAAAAAAAAAAAAAAAAAAAAAAAZAAAAAEAAABAAAAAAAAAAAAAAAAAAAAAAAAAAAAAAAAAAAAAAAAAAAAAAAAAAAAAAAAAAAAAAAAAAAAAAAAAAAAAAAAAAAAAAAAAAAAAAAAAAAAAAAAAAAAAAAAAAAAAFAAAADwAAAAAAAAAAAAAAAAAAAkUAAAAAQAAABQAAAAUAAAAFAAAAAEAAAAAAAAAZAAAAGQAAAAAAAAAZAAAAGQAAAAVAAAAYAAAAAAAAAAAAAAADwAAACADAAAAAAAAAAAAAAEAAACgMgAAVgcAAKr4//8BAAAAf39/AAEAAABkAAAAAAAAABQAAABAHwAAAAAAACYAAAAAAAAAwOD//wAAAAAmAAAAZAAAABYAAABMAAAAAAAAAAAAAAAEAAAAAAAAAAEAAACAgIAKAAAAACgAAAAoAAAAZAAAAGQAAAAAAAAAzMzMAAAAAABQAAAAUAAAAGQAAABkAAAAAAAAABcAAAAUAAAAAAAAAAAAAAD/fwAA/38AAAAAAAAJAAAABAAAAKVGcaEMAAAAEAAAAAAAAAAAAAAAAAAAAAAAAAAeAAAAaAAAAAAAAAAAAAAAAAAAAAAAAAAAAAAAECcAABAnAAAAAAAAAAAAAAAAAAAAAAAAAAAAAAAAAAAAAAAAAAAAABQAAAAAAAAAwMD/AAAAAABkAAAAMgAAAAAAAABkAAAAAAAAAH9/fwAKAAAAHwAAAFQAAAAAAAAFAAAAAQAAAAAAAAAAAAAAAAAAAAAAAAAAAAAAAAAAAAAAAAAAAAAAAn9/fwAAAAADzMzMAMDA/wB/f38AAAAAAAAAAAAAAAAAAAAAAAAAAAAhAAAAGAAAABQAAABQKAAAGycAAHA1AABZKQAAEAAAACYAAAAIAAAAAAAAAAAAAAA="/>
               </a:ext>
             </a:extLst>
           </p:cNvSpPr>
@@ -1924,7 +1925,7 @@
           <a:lstStyle/>
           <a:p>
             <a:pPr/>
-            <a:fld id="{03A9AA69-27EE-FC5C-A011-D109E45F5684}" type="slidenum">
+            <a:fld id="{33B59389-C7DE-E065-900D-3130DD436664}" type="slidenum">
               <a:t/>
             </a:fld>
           </a:p>
@@ -1962,7 +1963,7 @@
             <a:spLocks noGrp="1" noChangeArrowheads="1"/>
             <a:extLst>
               <a:ext uri="smNativeData">
-                <pr:smNativeData xmlns:pr="smNativeData" val="SMDATA_13_Zg2zYxMAAAAlAAAAZAAAAA8BAAAAkAAAAEgAAACQAAAASAAAAAAAAAABAAAAAAAAAAEAAABQAAAAAAAAAAAA4D8AAAAAAADgPwAAAAAAAOA/AAAAAAAA4D8AAAAAAADgPwAAAAAAAOA/AAAAAAAA4D8AAAAAAADgPwAAAAAAAOA/AAAAAAAA4D8CAAAAjAAAAAAAAAAAAAAAu+DjDP///wgAAAAAAAAAAAAAAAAAAAAAAAAAAAAAAAAAAAAAZAAAAAEAAABAAAAAAAAAAAAAAAAAAAAAAAAAAAAAAAAAAAAAAAAAAAAAAAAAAAAAAAAAAAAAAAAAAAAAAAAAAAAAAAAAAAAAAAAAAAAAAAAAAAAAAAAAAAAAAAAAAAAAFAAAADwAAAAAAAAAAAAAAAAAAAkUAAAAAQAAABQAAAAUAAAAFAAAAAEAAAAAAAAAZAAAAGQAAAAAAAAAZAAAAGQAAAAVAAAAYAAAAAAAAAAAAAAADwAAACADAAAAAAAAAAAAAAEAAACgMgAAVgcAAKr4//8BAAAAf39/AAEAAABkAAAAAAAAABQAAABAHwAAAAAAACYAAAAAAAAAwOD//wAAAAAmAAAAZAAAABYAAABMAAAAAAAAAAAAAAAEAAAAAAAAAAEAAACAgIAKAAAAACgAAAAoAAAAZAAAAGQAAAAAAAAAzMzMAAAAAABQAAAAUAAAAGQAAABkAAAAAAAAABcAAAAUAAAAAAAAAAAAAAD/fwAA/38AAAAAAAAJAAAABAAAAAAAAAAMAAAAEAAAAAAAAAAAAAAAAAAAAAAAAAAeAAAAaAAAAAAAAAAAAAAAAAAAAAAAAAAAAAAAECcAABAnAAAAAAAAAAAAAAAAAAAAAAAAAAAAAAAAAAAAAAAAAAAAABQAAAAAAAAAwMD/AAAAAABkAAAAMgAAAAAAAABkAAAAAAAAAH9/fwAKAAAAHwAAAFQAAAAAAAAFAAAAAQAAAAAAAAAAAAAAAAAAAAAAAAAAAAAAAAAAAAAAAAAAAAAAAn9/fwAAAAADzMzMAMDA/wB/f38AAAAAAAAAAAAAAAAAAAAAAAAAAAAhAAAAGAAAABQAAADQAgAAsAEAAHA1AAC4CAAAEAAAACYAAAAIAAAAAAAAAAAAAAA="/>
+                <pr:smNativeData xmlns:pr="smNativeData" val="SMDATA_13_mZ/BYxMAAAAlAAAAZAAAAA8BAAAAkAAAAEgAAACQAAAASAAAAAAAAAABAAAAAAAAAAEAAABQAAAAAAAAAAAA4D8AAAAAAADgPwAAAAAAAOA/AAAAAAAA4D8AAAAAAADgPwAAAAAAAOA/AAAAAAAA4D8AAAAAAADgPwAAAAAAAOA/AAAAAAAA4D8CAAAAjAAAAAAAAAAAAAAAu+DjDP///wgAAAAAAAAAAAAAAAAAAAAAAAAAAAAAAAAAAAAAZAAAAAEAAABAAAAAAAAAAAAAAAAAAAAAAAAAAAAAAAAAAAAAAAAAAAAAAAAAAAAAAAAAAAAAAAAAAAAAAAAAAAAAAAAAAAAAAAAAAAAAAAAAAAAAAAAAAAAAAAAAAAAAFAAAADwAAAAAAAAAAAAAAAAAAAkUAAAAAQAAABQAAAAUAAAAFAAAAAEAAAAAAAAAZAAAAGQAAAAAAAAAZAAAAGQAAAAVAAAAYAAAAAAAAAAAAAAADwAAACADAAAAAAAAAAAAAAEAAACgMgAAVgcAAKr4//8BAAAAf39/AAEAAABkAAAAAAAAABQAAABAHwAAAAAAACYAAAAAAAAAwOD//wAAAAAmAAAAZAAAABYAAABMAAAAAAAAAAAAAAAEAAAAAAAAAAEAAACAgIAKAAAAACgAAAAoAAAAZAAAAGQAAAAAAAAAzMzMAAAAAABQAAAAUAAAAGQAAABkAAAAAAAAABcAAAAUAAAAAAAAAAAAAAD/fwAA/38AAAAAAAAJAAAABAAAAAAAAAAMAAAAEAAAAAAAAAAAAAAAAAAAAAAAAAAeAAAAaAAAAAAAAAAAAAAAAAAAAAAAAAAAAAAAECcAABAnAAAAAAAAAAAAAAAAAAAAAAAAAAAAAAAAAAAAAAAAAAAAABQAAAAAAAAAwMD/AAAAAABkAAAAMgAAAAAAAABkAAAAAAAAAH9/fwAKAAAAHwAAAFQAAAAAAAAFAAAAAQAAAAAAAAAAAAAAAAAAAAAAAAAAAAAAAAAAAAAAAAAAAAAAAn9/fwAAAAADzMzMAMDA/wB/f38AAAAAAAAAAAAAAAAAAAAAAAAAAAAhAAAAGAAAABQAAADQAgAAsAEAAHA1AAC4CAAAEAAAACYAAAAIAAAAAAAAAAAAAAA="/>
               </a:ext>
             </a:extLst>
           </p:cNvSpPr>
@@ -1989,7 +1990,7 @@
             <a:spLocks noGrp="1" noChangeArrowheads="1"/>
             <a:extLst>
               <a:ext uri="smNativeData">
-                <pr:smNativeData xmlns:pr="smNativeData" val="SMDATA_13_Zg2zYxMAAAAlAAAAZAAAAA8BAAAAkAAAAEgAAACQAAAASAAAAAAAAAABAAAAAAAAAAEAAABQAAAAAAAAAAAA4D8AAAAAAADgPwAAAAAAAOA/AAAAAAAA4D8AAAAAAADgPwAAAAAAAOA/AAAAAAAA4D8AAAAAAADgPwAAAAAAAOA/AAAAAAAA4D8CAAAAjAAAAAAAAAAAAAAAu+DjDP///wgAAAAAAAAAAAAAAAAAAAAAAAAAAAAAAAAAAAAAZAAAAAEAAABAAAAAAAAAAAAAAAAAAAAAAAAAAAAAAAAAAAAAAAAAAAAAAAAAAAAAAAAAAAAAAAAAAAAAAAAAAAAAAAAAAAAAAAAAAAAAAAAAAAAAAAAAAAAAAAAAAAAAFAAAADwAAAAAAAAAAAAAAAAAAAkUAAAAAQAAABQAAAAUAAAAFAAAAAEAAAAAAAAAZAAAAGQAAAAAAAAAZAAAAGQAAAAVAAAAYAAAAAAAAAAAAAAADwAAACADAAAAAAAAAAAAAAEAAACgMgAAVgcAAKr4//8BAAAAf39/AAEAAABkAAAAAAAAABQAAABAHwAAAAAAACYAAAAAAAAAwOD//wAAAAAmAAAAZAAAABYAAABMAAAAAAAAAAAAAAAEAAAAAAAAAAEAAACAgIAKAAAAACgAAAAoAAAAZAAAAGQAAAAAAAAAzMzMAAAAAABQAAAAUAAAAGQAAABkAAAAAAAAABcAAAAUAAAAAAAAAAAAAAD/fwAA/38AAAAAAAAJAAAABAAAAAAAAAAMAAAAEAAAAAAAAAAAAAAAAAAAAAAAAAAeAAAAaAAAAAAAAAAAAAAAAAAAAAAAAAAAAAAAECcAABAnAAAAAAAAAAAAAAAAAAAAAAAAAAAAAAAAAAAAAAAAAAAAABQAAAAAAAAAwMD/AAAAAABkAAAAMgAAAAAAAABkAAAAAAAAAH9/fwAKAAAAHwAAAFQAAAAAAAAFAAAAAQAAAAAAAAAAAAAAAAAAAAAAAAAAAAAAAAAAAAAAAAAAAAAAAn9/fwAAAAADzMzMAMDA/wB/f38AAAAAAAAAAAAAAAAAAAAAAAAAAAAhAAAAGAAAABQAAADQAgAAGycAAPAPAABZKQAAEAAAACYAAAAIAAAAAAAAAAAAAAA="/>
+                <pr:smNativeData xmlns:pr="smNativeData" val="SMDATA_13_mZ/BYxMAAAAlAAAAZAAAAA8BAAAAkAAAAEgAAACQAAAASAAAAAAAAAABAAAAAAAAAAEAAABQAAAAAAAAAAAA4D8AAAAAAADgPwAAAAAAAOA/AAAAAAAA4D8AAAAAAADgPwAAAAAAAOA/AAAAAAAA4D8AAAAAAADgPwAAAAAAAOA/AAAAAAAA4D8CAAAAjAAAAAAAAAAAAAAAu+DjDP///wgAAAAAAAAAAAAAAAAAAAAAAAAAAAAAAAAAAAAAZAAAAAEAAABAAAAAAAAAAAAAAAAAAAAAAAAAAAAAAAAAAAAAAAAAAAAAAAAAAAAAAAAAAAAAAAAAAAAAAAAAAAAAAAAAAAAAAAAAAAAAAAAAAAAAAAAAAAAAAAAAAAAAFAAAADwAAAAAAAAAAAAAAAAAAAkUAAAAAQAAABQAAAAUAAAAFAAAAAEAAAAAAAAAZAAAAGQAAAAAAAAAZAAAAGQAAAAVAAAAYAAAAAAAAAAAAAAADwAAACADAAAAAAAAAAAAAAEAAACgMgAAVgcAAKr4//8BAAAAf39/AAEAAABkAAAAAAAAABQAAABAHwAAAAAAACYAAAAAAAAAwOD//wAAAAAmAAAAZAAAABYAAABMAAAAAAAAAAAAAAAEAAAAAAAAAAEAAACAgIAKAAAAACgAAAAoAAAAZAAAAGQAAAAAAAAAzMzMAAAAAABQAAAAUAAAAGQAAABkAAAAAAAAABcAAAAUAAAAAAAAAAAAAAD/fwAA/38AAAAAAAAJAAAABAAAAAAAAAAMAAAAEAAAAAAAAAAAAAAAAAAAAAAAAAAeAAAAaAAAAAAAAAAAAAAAAAAAAAAAAAAAAAAAECcAABAnAAAAAAAAAAAAAAAAAAAAAAAAAAAAAAAAAAAAAAAAAAAAABQAAAAAAAAAwMD/AAAAAABkAAAAMgAAAAAAAABkAAAAAAAAAH9/fwAKAAAAHwAAAFQAAAAAAAAFAAAAAQAAAAAAAAAAAAAAAAAAAAAAAAAAAAAAAAAAAAAAAAAAAAAAAn9/fwAAAAADzMzMAMDA/wB/f38AAAAAAAAAAAAAAAAAAAAAAAAAAAAhAAAAGAAAABQAAADQAgAAGycAAPAPAABZKQAAEAAAACYAAAAIAAAAAAAAAAAAAAA="/>
               </a:ext>
             </a:extLst>
           </p:cNvSpPr>
@@ -2003,7 +2004,7 @@
           <a:lstStyle/>
           <a:p>
             <a:pPr/>
-            <a:fld id="{03A9BA05-4BEE-FC4C-A011-BD19F45F56E8}" type="datetime1">
+            <a:fld id="{33B5D509-47DE-E023-900D-B1769B4366E4}" type="datetime1">
               <a:t/>
             </a:fld>
           </a:p>
@@ -2016,7 +2017,7 @@
             <a:spLocks noGrp="1" noChangeArrowheads="1"/>
             <a:extLst>
               <a:ext uri="smNativeData">
-                <pr:smNativeData xmlns:pr="smNativeData" val="SMDATA_13_Zg2zYxMAAAAlAAAAZAAAAA8BAAAAkAAAAEgAAACQAAAASAAAAAAAAAABAAAAAAAAAAEAAABQAAAAAAAAAAAA4D8AAAAAAADgPwAAAAAAAOA/AAAAAAAA4D8AAAAAAADgPwAAAAAAAOA/AAAAAAAA4D8AAAAAAADgPwAAAAAAAOA/AAAAAAAA4D8CAAAAjAAAAAAAAAAAAAAAu+DjDP///wgAAAAAAAAAAAAAAAAAAAAAAAAAAAAAAAAAAAAAZAAAAAEAAABAAAAAAAAAAAAAAAAAAAAAAAAAAAAAAAAAAAAAAAAAAAAAAAAAAAAAAAAAAAAAAAAAAAAAAAAAAAAAAAAAAAAAAAAAAAAAAAAAAAAAAAAAAAAAAAAAAAAAFAAAADwAAAAAAAAAAAAAAAAAAAkUAAAAAQAAABQAAAAUAAAAFAAAAAEAAAAAAAAAZAAAAGQAAAAAAAAAZAAAAGQAAAAVAAAAYAAAAAAAAAAAAAAADwAAACADAAAAAAAAAAAAAAEAAACgMgAAVgcAAKr4//8BAAAAf39/AAEAAABkAAAAAAAAABQAAABAHwAAAAAAACYAAAAAAAAAwOD//wAAAAAmAAAAZAAAABYAAABMAAAAAAAAAAAAAAAEAAAAAAAAAAEAAACAgIAKAAAAACgAAAAoAAAAZAAAAGQAAAAAAAAAzMzMAAAAAABQAAAAUAAAAGQAAABkAAAAAAAAABcAAAAUAAAAAAAAAAAAAAD/fwAA/38AAAAAAAAJAAAABAAAAAAAAAAMAAAAEAAAAAAAAAAAAAAAAAAAAAAAAAAeAAAAaAAAAAAAAAAAAAAAAAAAAAAAAAAAAAAAECcAABAnAAAAAAAAAAAAAAAAAAAAAAAAAAAAAAAAAAAAAAAAAAAAABQAAAAAAAAAwMD/AAAAAABkAAAAMgAAAAAAAABkAAAAAAAAAH9/fwAKAAAAHwAAAFQAAAAAAAAFAAAAAQAAAAAAAAAAAAAAAAAAAAAAAAAAAAAAAAAAAAAAAAAAAAAAAn9/fwAAAAADzMzMAMDA/wB/f38AAAAAAAAAAAAAAAAAAAAAAAAAAAAhAAAAGAAAABQAAAA4EwAAGycAAAglAABZKQAAEAAAACYAAAAIAAAAAAAAAAAAAAA="/>
+                <pr:smNativeData xmlns:pr="smNativeData" val="SMDATA_13_mZ/BYxMAAAAlAAAAZAAAAA8BAAAAkAAAAEgAAACQAAAASAAAAAAAAAABAAAAAAAAAAEAAABQAAAAAAAAAAAA4D8AAAAAAADgPwAAAAAAAOA/AAAAAAAA4D8AAAAAAADgPwAAAAAAAOA/AAAAAAAA4D8AAAAAAADgPwAAAAAAAOA/AAAAAAAA4D8CAAAAjAAAAAAAAAAAAAAAu+DjDP///wgAAAAAAAAAAAAAAAAAAAAAAAAAAAAAAAAAAAAAZAAAAAEAAABAAAAAAAAAAAAAAAAAAAAAAAAAAAAAAAAAAAAAAAAAAAAAAAAAAAAAAAAAAAAAAAAAAAAAAAAAAAAAAAAAAAAAAAAAAAAAAAAAAAAAAAAAAAAAAAAAAAAAFAAAADwAAAAAAAAAAAAAAAAAAAkUAAAAAQAAABQAAAAUAAAAFAAAAAEAAAAAAAAAZAAAAGQAAAAAAAAAZAAAAGQAAAAVAAAAYAAAAAAAAAAAAAAADwAAACADAAAAAAAAAAAAAAEAAACgMgAAVgcAAKr4//8BAAAAf39/AAEAAABkAAAAAAAAABQAAABAHwAAAAAAACYAAAAAAAAAwOD//wAAAAAmAAAAZAAAABYAAABMAAAAAAAAAAAAAAAEAAAAAAAAAAEAAACAgIAKAAAAACgAAAAoAAAAZAAAAGQAAAAAAAAAzMzMAAAAAABQAAAAUAAAAGQAAABkAAAAAAAAABcAAAAUAAAAAAAAAAAAAAD/fwAA/38AAAAAAAAJAAAABAAAAAAAAAAMAAAAEAAAAAAAAAAAAAAAAAAAAAAAAAAeAAAAaAAAAAAAAAAAAAAAAAAAAAAAAAAAAAAAECcAABAnAAAAAAAAAAAAAAAAAAAAAAAAAAAAAAAAAAAAAAAAAAAAABQAAAAAAAAAwMD/AAAAAABkAAAAMgAAAAAAAABkAAAAAAAAAH9/fwAKAAAAHwAAAFQAAAAAAAAFAAAAAQAAAAAAAAAAAAAAAAAAAAAAAAAAAAAAAAAAAAAAAAAAAAAAAn9/fwAAAAADzMzMAMDA/wB/f38AAAAAAAAAAAAAAAAAAAAAAAAAAAAhAAAAGAAAABQAAAA4EwAAGycAAAglAABZKQAAEAAAACYAAAAIAAAAAAAAAAAAAAA="/>
               </a:ext>
             </a:extLst>
           </p:cNvSpPr>
@@ -2040,7 +2041,7 @@
             <a:spLocks noGrp="1" noChangeArrowheads="1"/>
             <a:extLst>
               <a:ext uri="smNativeData">
-                <pr:smNativeData xmlns:pr="smNativeData" val="SMDATA_13_Zg2zYxMAAAAlAAAAZAAAAA8BAAAAkAAAAEgAAACQAAAASAAAAAAAAAABAAAAAAAAAAEAAABQAAAAAAAAAAAA4D8AAAAAAADgPwAAAAAAAOA/AAAAAAAA4D8AAAAAAADgPwAAAAAAAOA/AAAAAAAA4D8AAAAAAADgPwAAAAAAAOA/AAAAAAAA4D8CAAAAjAAAAAAAAAAAAAAAu+DjDP///wgAAAAAAAAAAAAAAAAAAAAAAAAAAAAAAAAAAAAAZAAAAAEAAABAAAAAAAAAAAAAAAAAAAAAAAAAAAAAAAAAAAAAAAAAAAAAAAAAAAAAAAAAAAAAAAAAAAAAAAAAAAAAAAAAAAAAAAAAAAAAAAAAAAAAAAAAAAAAAAAAAAAAFAAAADwAAAAAAAAAAAAAAAAAAAkUAAAAAQAAABQAAAAUAAAAFAAAAAEAAAAAAAAAZAAAAGQAAAAAAAAAZAAAAGQAAAAVAAAAYAAAAAAAAAAAAAAADwAAACADAAAAAAAAAAAAAAEAAACgMgAAVgcAAKr4//8BAAAAf39/AAEAAABkAAAAAAAAABQAAABAHwAAAAAAACYAAAAAAAAAwOD//wAAAAAmAAAAZAAAABYAAABMAAAAAAAAAAAAAAAEAAAAAAAAAAEAAACAgIAKAAAAACgAAAAoAAAAZAAAAGQAAAAAAAAAzMzMAAAAAABQAAAAUAAAAGQAAABkAAAAAAAAABcAAAAUAAAAAAAAAAAAAAD/fwAA/38AAAAAAAAJAAAABAAAAAAAAAAMAAAAEAAAAAAAAAAAAAAAAAAAAAAAAAAeAAAAaAAAAAAAAAAAAAAAAAAAAAAAAAAAAAAAECcAABAnAAAAAAAAAAAAAAAAAAAAAAAAAAAAAAAAAAAAAAAAAAAAABQAAAAAAAAAwMD/AAAAAABkAAAAMgAAAAAAAABkAAAAAAAAAH9/fwAKAAAAHwAAAFQAAAAAAAAFAAAAAQAAAAAAAAAAAAAAAAAAAAAAAAAAAAAAAAAAAAAAAAAAAAAAAn9/fwAAAAADzMzMAMDA/wB/f38AAAAAAAAAAAAAAAAAAAAAAAAAAAAhAAAAGAAAABQAAABQKAAAGycAAHA1AABZKQAAEAAAACYAAAAIAAAAAAAAAAAAAAA="/>
+                <pr:smNativeData xmlns:pr="smNativeData" val="SMDATA_13_mZ/BYxMAAAAlAAAAZAAAAA8BAAAAkAAAAEgAAACQAAAASAAAAAAAAAABAAAAAAAAAAEAAABQAAAAAAAAAAAA4D8AAAAAAADgPwAAAAAAAOA/AAAAAAAA4D8AAAAAAADgPwAAAAAAAOA/AAAAAAAA4D8AAAAAAADgPwAAAAAAAOA/AAAAAAAA4D8CAAAAjAAAAAAAAAAAAAAAu+DjDP///wgAAAAAAAAAAAAAAAAAAAAAAAAAAAAAAAAAAAAAZAAAAAEAAABAAAAAAAAAAAAAAAAAAAAAAAAAAAAAAAAAAAAAAAAAAAAAAAAAAAAAAAAAAAAAAAAAAAAAAAAAAAAAAAAAAAAAAAAAAAAAAAAAAAAAAAAAAAAAAAAAAAAAFAAAADwAAAAAAAAAAAAAAAAAAAkUAAAAAQAAABQAAAAUAAAAFAAAAAEAAAAAAAAAZAAAAGQAAAAAAAAAZAAAAGQAAAAVAAAAYAAAAAAAAAAAAAAADwAAACADAAAAAAAAAAAAAAEAAACgMgAAVgcAAKr4//8BAAAAf39/AAEAAABkAAAAAAAAABQAAABAHwAAAAAAACYAAAAAAAAAwOD//wAAAAAmAAAAZAAAABYAAABMAAAAAAAAAAAAAAAEAAAAAAAAAAEAAACAgIAKAAAAACgAAAAoAAAAZAAAAGQAAAAAAAAAzMzMAAAAAABQAAAAUAAAAGQAAABkAAAAAAAAABcAAAAUAAAAAAAAAAAAAAD/fwAA/38AAAAAAAAJAAAABAAAAAAAAAAMAAAAEAAAAAAAAAAAAAAAAAAAAAAAAAAeAAAAaAAAAAAAAAAAAAAAAAAAAAAAAAAAAAAAECcAABAnAAAAAAAAAAAAAAAAAAAAAAAAAAAAAAAAAAAAAAAAAAAAABQAAAAAAAAAwMD/AAAAAABkAAAAMgAAAAAAAABkAAAAAAAAAH9/fwAKAAAAHwAAAFQAAAAAAAAFAAAAAQAAAAAAAAAAAAAAAAAAAAAAAAAAAAAAAAAAAAAAAAAAAAAAAn9/fwAAAAADzMzMAMDA/wB/f38AAAAAAAAAAAAAAAAAAAAAAAAAAAAhAAAAGAAAABQAAABQKAAAGycAAHA1AABZKQAAEAAAACYAAAAIAAAAAAAAAAAAAAA="/>
               </a:ext>
             </a:extLst>
           </p:cNvSpPr>
@@ -2054,7 +2055,7 @@
           <a:lstStyle/>
           <a:p>
             <a:pPr/>
-            <a:fld id="{03A9BDBB-F5EE-FC4B-A011-031EF35F5656}" type="slidenum">
+            <a:fld id="{33B5CC1E-50DE-E03A-900D-A66F824366F3}" type="slidenum">
               <a:t/>
             </a:fld>
           </a:p>
@@ -2092,7 +2093,7 @@
             <a:spLocks noGrp="1" noChangeArrowheads="1"/>
             <a:extLst>
               <a:ext uri="smNativeData">
-                <pr:smNativeData xmlns:pr="smNativeData" val="SMDATA_13_Zg2zYxMAAAAlAAAAZAAAAA8BAAAAkAAAAEgAAACQAAAASAAAAAAAAAABAAAAAAAAAAEAAABQAAAAAAAAAAAA4D8AAAAAAADgPwAAAAAAAOA/AAAAAAAA4D8AAAAAAADgPwAAAAAAAOA/AAAAAAAA4D8AAAAAAADgPwAAAAAAAOA/AAAAAAAA4D8CAAAAjAAAAAAAAAAAAAAAu+DjDP///wgAAAAAAAAAAAAAAAAAAAAAAAAAAAAAAAAAAAAAZAAAAAEAAABAAAAAAAAAAAAAAAAAAAAAAAAAAAAAAAAAAAAAAAAAAAAAAAAAAAAAAAAAAAAAAAAAAAAAAAAAAAAAAAAAAAAAAAAAAAAAAAAAAAAAAAAAAAAAAAAAAAAAFAAAADwAAAAAAAAAAAAAAAAAAAkUAAAAAQAAABQAAAAUAAAAFAAAAAEAAAAAAAAAZAAAAGQAAAAAAAAAZAAAAGQAAAAVAAAAYAAAAAAAAAAAAAAADwAAACADAAAAAAAAAAAAAAEAAACgMgAAVgcAAKr4//8BAAAAf39/AAEAAABkAAAAAAAAABQAAABAHwAAAAAAACYAAAAAAAAAwOD//wAAAAAmAAAAZAAAABYAAABMAAAAAAAAAAAAAAAEAAAAAAAAAAEAAACAgIAKAAAAACgAAAAoAAAAZAAAAGQAAAAAAAAAzMzMAAAAAABQAAAAUAAAAGQAAABkAAAAAAAAABcAAAAUAAAAAAAAAAAAAAD/fwAA/38AAAAAAAAJAAAABAAAAAAAAAAMAAAAEAAAAAAAAAAAAAAAAAAAAAAAAAAeAAAAaAAAAAAAAAAAAAAAAAAAAAAAAAAAAAAAECcAABAnAAAAAAAAAAAAAAAAAAAAAAAAAAAAAAAAAAAAAAAAAAAAABQAAAAAAAAAwMD/AAAAAABkAAAAMgAAAAAAAABkAAAAAAAAAH9/fwAKAAAAHwAAAFQAAAAAAAAFAAAAAQAAAAAAAAAAAAAAAAAAAAAAAAAAAAAAAAAAAAAAAAAAAAAAAn9/fwAAAAADzMzMAMDA/wB/f38AAAAAAAAAAAAAAAAAAAAAAAAAAAAhAAAAGAAAABQAAADQAgAAGycAAPAPAABZKQAAEAAAACYAAAAIAAAAAAAAAAAAAAA="/>
+                <pr:smNativeData xmlns:pr="smNativeData" val="SMDATA_13_mZ/BYxMAAAAlAAAAZAAAAA8BAAAAkAAAAEgAAACQAAAASAAAAAAAAAABAAAAAAAAAAEAAABQAAAAAAAAAAAA4D8AAAAAAADgPwAAAAAAAOA/AAAAAAAA4D8AAAAAAADgPwAAAAAAAOA/AAAAAAAA4D8AAAAAAADgPwAAAAAAAOA/AAAAAAAA4D8CAAAAjAAAAAAAAAAAAAAAu+DjDP///wgAAAAAAAAAAAAAAAAAAAAAAAAAAAAAAAAAAAAAZAAAAAEAAABAAAAAAAAAAAAAAAAAAAAAAAAAAAAAAAAAAAAAAAAAAAAAAAAAAAAAAAAAAAAAAAAAAAAAAAAAAAAAAAAAAAAAAAAAAAAAAAAAAAAAAAAAAAAAAAAAAAAAFAAAADwAAAAAAAAAAAAAAAAAAAkUAAAAAQAAABQAAAAUAAAAFAAAAAEAAAAAAAAAZAAAAGQAAAAAAAAAZAAAAGQAAAAVAAAAYAAAAAAAAAAAAAAADwAAACADAAAAAAAAAAAAAAEAAACgMgAAVgcAAKr4//8BAAAAf39/AAEAAABkAAAAAAAAABQAAABAHwAAAAAAACYAAAAAAAAAwOD//wAAAAAmAAAAZAAAABYAAABMAAAAAAAAAAAAAAAEAAAAAAAAAAEAAACAgIAKAAAAACgAAAAoAAAAZAAAAGQAAAAAAAAAzMzMAAAAAABQAAAAUAAAAGQAAABkAAAAAAAAABcAAAAUAAAAAAAAAAAAAAD/fwAA/38AAAAAAAAJAAAABAAAAAAAAAAMAAAAEAAAAAAAAAAAAAAAAAAAAAAAAAAeAAAAaAAAAAAAAAAAAAAAAAAAAAAAAAAAAAAAECcAABAnAAAAAAAAAAAAAAAAAAAAAAAAAAAAAAAAAAAAAAAAAAAAABQAAAAAAAAAwMD/AAAAAABkAAAAMgAAAAAAAABkAAAAAAAAAH9/fwAKAAAAHwAAAFQAAAAAAAAFAAAAAQAAAAAAAAAAAAAAAAAAAAAAAAAAAAAAAAAAAAAAAAAAAAAAAn9/fwAAAAADzMzMAMDA/wB/f38AAAAAAAAAAAAAAAAAAAAAAAAAAAAhAAAAGAAAABQAAADQAgAAGycAAPAPAABZKQAAEAAAACYAAAAIAAAAAAAAAAAAAAA="/>
               </a:ext>
             </a:extLst>
           </p:cNvSpPr>
@@ -2106,7 +2107,7 @@
           <a:lstStyle/>
           <a:p>
             <a:pPr/>
-            <a:fld id="{03A9BDC1-8FEE-FC4B-A011-791EF35F562C}" type="datetime1">
+            <a:fld id="{33B5F3C2-8CDE-E005-900D-7A50BD43662F}" type="datetime1">
               <a:t/>
             </a:fld>
           </a:p>
@@ -2119,7 +2120,7 @@
             <a:spLocks noGrp="1" noChangeArrowheads="1"/>
             <a:extLst>
               <a:ext uri="smNativeData">
-                <pr:smNativeData xmlns:pr="smNativeData" val="SMDATA_13_Zg2zYxMAAAAlAAAAZAAAAA8BAAAAkAAAAEgAAACQAAAASAAAAAAAAAABAAAAAAAAAAEAAABQAAAAAAAAAAAA4D8AAAAAAADgPwAAAAAAAOA/AAAAAAAA4D8AAAAAAADgPwAAAAAAAOA/AAAAAAAA4D8AAAAAAADgPwAAAAAAAOA/AAAAAAAA4D8CAAAAjAAAAAAAAAAAAAAAu+DjDP///wgAAAAAAAAAAAAAAAAAAAAAAAAAAAAAAAAAAAAAZAAAAAEAAABAAAAAAAAAAAAAAAAAAAAAAAAAAAAAAAAAAAAAAAAAAAAAAAAAAAAAAAAAAAAAAAAAAAAAAAAAAAAAAAAAAAAAAAAAAAAAAAAAAAAAAAAAAAAAAAAAAAAAFAAAADwAAAAAAAAAAAAAAAAAAAkUAAAAAQAAABQAAAAUAAAAFAAAAAEAAAAAAAAAZAAAAGQAAAAAAAAAZAAAAGQAAAAVAAAAYAAAAAAAAAAAAAAADwAAACADAAAAAAAAAAAAAAEAAACgMgAAVgcAAKr4//8BAAAAf39/AAEAAABkAAAAAAAAABQAAABAHwAAAAAAACYAAAAAAAAAwOD//wAAAAAmAAAAZAAAABYAAABMAAAAAAAAAAAAAAAEAAAAAAAAAAEAAACAgIAKAAAAACgAAAAoAAAAZAAAAGQAAAAAAAAAzMzMAAAAAABQAAAAUAAAAGQAAABkAAAAAAAAABcAAAAUAAAAAAAAAAAAAAD/fwAA/38AAAAAAAAJAAAABAAAAAAAAAAMAAAAEAAAAAAAAAAAAAAAAAAAAAAAAAAeAAAAaAAAAAAAAAAAAAAAAAAAAAAAAAAAAAAAECcAABAnAAAAAAAAAAAAAAAAAAAAAAAAAAAAAAAAAAAAAAAAAAAAABQAAAAAAAAAwMD/AAAAAABkAAAAMgAAAAAAAABkAAAAAAAAAH9/fwAKAAAAHwAAAFQAAAAAAAAFAAAAAQAAAAAAAAAAAAAAAAAAAAAAAAAAAAAAAAAAAAAAAAAAAAAAAn9/fwAAAAADzMzMAMDA/wB/f38AAAAAAAAAAAAAAAAAAAAAAAAAAAAhAAAAGAAAABQAAAA4EwAAGycAAAglAABZKQAAEAAAACYAAAAIAAAAAAAAAAAAAAA="/>
+                <pr:smNativeData xmlns:pr="smNativeData" val="SMDATA_13_mZ/BYxMAAAAlAAAAZAAAAA8BAAAAkAAAAEgAAACQAAAASAAAAAAAAAABAAAAAAAAAAEAAABQAAAAAAAAAAAA4D8AAAAAAADgPwAAAAAAAOA/AAAAAAAA4D8AAAAAAADgPwAAAAAAAOA/AAAAAAAA4D8AAAAAAADgPwAAAAAAAOA/AAAAAAAA4D8CAAAAjAAAAAAAAAAAAAAAu+DjDP///wgAAAAAAAAAAAAAAAAAAAAAAAAAAAAAAAAAAAAAZAAAAAEAAABAAAAAAAAAAAAAAAAAAAAAAAAAAAAAAAAAAAAAAAAAAAAAAAAAAAAAAAAAAAAAAAAAAAAAAAAAAAAAAAAAAAAAAAAAAAAAAAAAAAAAAAAAAAAAAAAAAAAAFAAAADwAAAAAAAAAAAAAAAAAAAkUAAAAAQAAABQAAAAUAAAAFAAAAAEAAAAAAAAAZAAAAGQAAAAAAAAAZAAAAGQAAAAVAAAAYAAAAAAAAAAAAAAADwAAACADAAAAAAAAAAAAAAEAAACgMgAAVgcAAKr4//8BAAAAf39/AAEAAABkAAAAAAAAABQAAABAHwAAAAAAACYAAAAAAAAAwOD//wAAAAAmAAAAZAAAABYAAABMAAAAAAAAAAAAAAAEAAAAAAAAAAEAAACAgIAKAAAAACgAAAAoAAAAZAAAAGQAAAAAAAAAzMzMAAAAAABQAAAAUAAAAGQAAABkAAAAAAAAABcAAAAUAAAAAAAAAAAAAAD/fwAA/38AAAAAAAAJAAAABAAAAAAAAAAMAAAAEAAAAAAAAAAAAAAAAAAAAAAAAAAeAAAAaAAAAAAAAAAAAAAAAAAAAAAAAAAAAAAAECcAABAnAAAAAAAAAAAAAAAAAAAAAAAAAAAAAAAAAAAAAAAAAAAAABQAAAAAAAAAwMD/AAAAAABkAAAAMgAAAAAAAABkAAAAAAAAAH9/fwAKAAAAHwAAAFQAAAAAAAAFAAAAAQAAAAAAAAAAAAAAAAAAAAAAAAAAAAAAAAAAAAAAAAAAAAAAAn9/fwAAAAADzMzMAMDA/wB/f38AAAAAAAAAAAAAAAAAAAAAAAAAAAAhAAAAGAAAABQAAAA4EwAAGycAAAglAABZKQAAEAAAACYAAAAIAAAAAAAAAAAAAAA="/>
               </a:ext>
             </a:extLst>
           </p:cNvSpPr>
@@ -2143,7 +2144,7 @@
             <a:spLocks noGrp="1" noChangeArrowheads="1"/>
             <a:extLst>
               <a:ext uri="smNativeData">
-                <pr:smNativeData xmlns:pr="smNativeData" val="SMDATA_13_Zg2zYxMAAAAlAAAAZAAAAA8BAAAAkAAAAEgAAACQAAAASAAAAAAAAAABAAAAAAAAAAEAAABQAAAAAAAAAAAA4D8AAAAAAADgPwAAAAAAAOA/AAAAAAAA4D8AAAAAAADgPwAAAAAAAOA/AAAAAAAA4D8AAAAAAADgPwAAAAAAAOA/AAAAAAAA4D8CAAAAjAAAAAAAAAAAAAAAu+DjDP///wgAAAAAAAAAAAAAAAAAAAAAAAAAAAAAAAAAAAAAZAAAAAEAAABAAAAAAAAAAAAAAAAAAAAAAAAAAAAAAAAAAAAAAAAAAAAAAAAAAAAAAAAAAAAAAAAAAAAAAAAAAAAAAAAAAAAAAAAAAAAAAAAAAAAAAAAAAAAAAAAAAAAAFAAAADwAAAAAAAAAAAAAAAAAAAkUAAAAAQAAABQAAAAUAAAAFAAAAAEAAAAAAAAAZAAAAGQAAAAAAAAAZAAAAGQAAAAVAAAAYAAAAAAAAAAAAAAADwAAACADAAAAAAAAAAAAAAEAAACgMgAAVgcAAKr4//8BAAAAf39/AAEAAABkAAAAAAAAABQAAABAHwAAAAAAACYAAAAAAAAAwOD//wAAAAAmAAAAZAAAABYAAABMAAAAAAAAAAAAAAAEAAAAAAAAAAEAAACAgIAKAAAAACgAAAAoAAAAZAAAAGQAAAAAAAAAzMzMAAAAAABQAAAAUAAAAGQAAABkAAAAAAAAABcAAAAUAAAAAAAAAAAAAAD/fwAA/38AAAAAAAAJAAAABAAAADIAAAAMAAAAEAAAAAAAAAAAAAAAAAAAAAAAAAAeAAAAaAAAAAAAAAAAAAAAAAAAAAAAAAAAAAAAECcAABAnAAAAAAAAAAAAAAAAAAAAAAAAAAAAAAAAAAAAAAAAAAAAABQAAAAAAAAAwMD/AAAAAABkAAAAMgAAAAAAAABkAAAAAAAAAH9/fwAKAAAAHwAAAFQAAAAAAAAFAAAAAQAAAAAAAAAAAAAAAAAAAAAAAAAAAAAAAAAAAAAAAAAAAAAAAn9/fwAAAAADzMzMAMDA/wB/f38AAAAAAAAAAAAAAAAAAAAAAAAAAAAhAAAAGAAAABQAAABQKAAAGycAAHA1AABZKQAAEAAAACYAAAAIAAAAAAAAAAAAAAA="/>
+                <pr:smNativeData xmlns:pr="smNativeData" val="SMDATA_13_mZ/BYxMAAAAlAAAAZAAAAA8BAAAAkAAAAEgAAACQAAAASAAAAAAAAAABAAAAAAAAAAEAAABQAAAAAAAAAAAA4D8AAAAAAADgPwAAAAAAAOA/AAAAAAAA4D8AAAAAAADgPwAAAAAAAOA/AAAAAAAA4D8AAAAAAADgPwAAAAAAAOA/AAAAAAAA4D8CAAAAjAAAAAAAAAAAAAAAu+DjDP///wgAAAAAAAAAAAAAAAAAAAAAAAAAAAAAAAAAAAAAZAAAAAEAAABAAAAAAAAAAAAAAAAAAAAAAAAAAAAAAAAAAAAAAAAAAAAAAAAAAAAAAAAAAAAAAAAAAAAAAAAAAAAAAAAAAAAAAAAAAAAAAAAAAAAAAAAAAAAAAAAAAAAAFAAAADwAAAAAAAAAAAAAAAAAAAkUAAAAAQAAABQAAAAUAAAAFAAAAAEAAAAAAAAAZAAAAGQAAAAAAAAAZAAAAGQAAAAVAAAAYAAAAAAAAAAAAAAADwAAACADAAAAAAAAAAAAAAEAAACgMgAAVgcAAKr4//8BAAAAf39/AAEAAABkAAAAAAAAABQAAABAHwAAAAAAACYAAAAAAAAAwOD//wAAAAAmAAAAZAAAABYAAABMAAAAAAAAAAAAAAAEAAAAAAAAAAEAAACAgIAKAAAAACgAAAAoAAAAZAAAAGQAAAAAAAAAzMzMAAAAAABQAAAAUAAAAGQAAABkAAAAAAAAABcAAAAUAAAAAAAAAAAAAAD/fwAA/38AAAAAAAAJAAAABAAAADIAAAAMAAAAEAAAAAAAAAAAAAAAAAAAAAAAAAAeAAAAaAAAAAAAAAAAAAAAAAAAAAAAAAAAAAAAECcAABAnAAAAAAAAAAAAAAAAAAAAAAAAAAAAAAAAAAAAAAAAAAAAABQAAAAAAAAAwMD/AAAAAABkAAAAMgAAAAAAAABkAAAAAAAAAH9/fwAKAAAAHwAAAFQAAAAAAAAFAAAAAQAAAAAAAAAAAAAAAAAAAAAAAAAAAAAAAAAAAAAAAAAAAAAAAn9/fwAAAAADzMzMAMDA/wB/f38AAAAAAAAAAAAAAAAAAAAAAAAAAAAhAAAAGAAAABQAAABQKAAAGycAAHA1AABZKQAAEAAAACYAAAAIAAAAAAAAAAAAAAA="/>
               </a:ext>
             </a:extLst>
           </p:cNvSpPr>
@@ -2157,7 +2158,7 @@
           <a:lstStyle/>
           <a:p>
             <a:pPr/>
-            <a:fld id="{03A990B6-F8EE-FC66-A011-0E33DE5F565B}" type="slidenum">
+            <a:fld id="{33B58ECD-83DE-E078-900D-752DC0436620}" type="slidenum">
               <a:t/>
             </a:fld>
           </a:p>
@@ -2195,7 +2196,7 @@
             <a:spLocks noGrp="1" noChangeArrowheads="1"/>
             <a:extLst>
               <a:ext uri="smNativeData">
-                <pr:smNativeData xmlns:pr="smNativeData" val="SMDATA_13_Zg2zYxMAAAAlAAAAZAAAAA8BAAAAkAAAAEgAAACQAAAASAAAAAAAAAACAAAAAAAAAAEAAABQAAAAAAAAAAAA4D8AAAAAAADgPwAAAAAAAOA/AAAAAAAA4D8AAAAAAADgPwAAAAAAAOA/AAAAAAAA4D8AAAAAAADgPwAAAAAAAOA/AAAAAAAA4D8CAAAAjAAAAAAAAAAAAAAAu+DjDP///wgAAAAAAAAAAAAAAAAAAAAAAAAAAAAAAAAAAAAAZAAAAAEAAABAAAAAAAAAAAAAAAAAAAAAAAAAAAAAAAAAAAAAAAAAAAAAAAAAAAAAAAAAAAAAAAAAAAAAAAAAAAAAAAAAAAAAAAAAAAAAAAAAAAAAAAAAAAAAAAAAAAAAFAAAADwAAAAAAAAAAAAAAAAAAAkUAAAAAQAAABQAAAAUAAAAFAAAAAEAAAAAAAAAZAAAAGQAAAAAAAAAZAAAAGQAAAAVAAAAYAAAAAAAAAAAAAAADwAAACADAAAAAAAAAAAAAAEAAACgMgAAVgcAAKr4//8BAAAAf39/AAEAAABkAAAAAAAAABQAAABAHwAAAAAAACYAAAAAAAAAwOD//wAAAAAmAAAAZAAAABYAAABMAAAAAAAAAAAAAAAEAAAAAAAAAAEAAACAgIAKAAAAACgAAAAoAAAAZAAAAGQAAAAAAAAAzMzMAAAAAABQAAAAUAAAAGQAAABkAAAAAAAAABcAAAAUAAAAAAAAAAAAAAD/fwAA/38AAAAAAAAJAAAABAAAAAAAAAAMAAAAEAAAAAAAAAAAAAAAAAAAAAAAAAAeAAAAaAAAAAAAAAAAAAAAAAAAAAAAAAAAAAAAECcAABAnAAAAAAAAAAAAAAAAAAAAAAAAAAAAAAAAAAAAAAAAAAAAABQAAAAAAAAAwMD/AAAAAABkAAAAMgAAAAAAAABkAAAAAAAAAH9/fwAKAAAAHwAAAFQAAAAAAAAFAAAAAQAAAAAAAAAAAAAAAAAAAAAAAAAAAAAAAAAAAAAAAAAAAAAAAn9/fwAAAAADzMzMAMDA/wB/f38AAAAAAAAAAAAAAAAAAAAAAAAAAAAhAAAAGAAAABQAAADQAgAArgEAAFIVAADUCAAAEAAAACYAAAAIAAAAgYAAAAAAAAA="/>
+                <pr:smNativeData xmlns:pr="smNativeData" val="SMDATA_13_mZ/BYxMAAAAlAAAAZAAAAA8BAAAAkAAAAEgAAACQAAAASAAAAAAAAAACAAAAAAAAAAEAAABQAAAAAAAAAAAA4D8AAAAAAADgPwAAAAAAAOA/AAAAAAAA4D8AAAAAAADgPwAAAAAAAOA/AAAAAAAA4D8AAAAAAADgPwAAAAAAAOA/AAAAAAAA4D8CAAAAjAAAAAAAAAAAAAAAu+DjDP///wgAAAAAAAAAAAAAAAAAAAAAAAAAAAAAAAAAAAAAZAAAAAEAAABAAAAAAAAAAAAAAAAAAAAAAAAAAAAAAAAAAAAAAAAAAAAAAAAAAAAAAAAAAAAAAAAAAAAAAAAAAAAAAAAAAAAAAAAAAAAAAAAAAAAAAAAAAAAAAAAAAAAAFAAAADwAAAAAAAAAAAAAAAAAAAkUAAAAAQAAABQAAAAUAAAAFAAAAAEAAAAAAAAAZAAAAGQAAAAAAAAAZAAAAGQAAAAVAAAAYAAAAAAAAAAAAAAADwAAACADAAAAAAAAAAAAAAEAAACgMgAAVgcAAKr4//8BAAAAf39/AAEAAABkAAAAAAAAABQAAABAHwAAAAAAACYAAAAAAAAAwOD//wAAAAAmAAAAZAAAABYAAABMAAAAAAAAAAAAAAAEAAAAAAAAAAEAAACAgIAKAAAAACgAAAAoAAAAZAAAAGQAAAAAAAAAzMzMAAAAAABQAAAAUAAAAGQAAABkAAAAAAAAABcAAAAUAAAAAAAAAAAAAAD/fwAA/38AAAAAAAAJAAAABAAAAAAAAAAMAAAAEAAAAAAAAAAAAAAAAAAAAAAAAAAeAAAAaAAAAAAAAAAAAAAAAAAAAAAAAAAAAAAAECcAABAnAAAAAAAAAAAAAAAAAAAAAAAAAAAAAAAAAAAAAAAAAAAAABQAAAAAAAAAwMD/AAAAAABkAAAAMgAAAAAAAABkAAAAAAAAAH9/fwAKAAAAHwAAAFQAAAAAAAAFAAAAAQAAAAAAAAAAAAAAAAAAAAAAAAAAAAAAAAAAAAAAAAAAAAAAAn9/fwAAAAADzMzMAMDA/wB/f38AAAAAAAAAAAAAAAAAAAAAAAAAAAAhAAAAGAAAABQAAADQAgAArgEAAFIVAADUCAAAEAAAACYAAAAIAAAAgYAAAAAAAAA="/>
               </a:ext>
             </a:extLst>
           </p:cNvSpPr>
@@ -2235,7 +2236,7 @@
             <a:spLocks noGrp="1" noChangeArrowheads="1"/>
             <a:extLst>
               <a:ext uri="smNativeData">
-                <pr:smNativeData xmlns:pr="smNativeData" val="SMDATA_13_Zg2zYxMAAAAlAAAAZAAAAA8BAAAAkAAAAEgAAACQAAAASAAAAAAAAAAAAAAAAAAAAAEAAABQAAAAAAAAAAAA4D8AAAAAAADgPwAAAAAAAOA/AAAAAAAA4D8AAAAAAADgPwAAAAAAAOA/AAAAAAAA4D8AAAAAAADgPwAAAAAAAOA/AAAAAAAA4D8CAAAAjAAAAAAAAAAAAAAAu+DjDP///wgAAAAAAAAAAAAAAAAAAAAAAAAAAAAAAAAAAAAAZAAAAAEAAABAAAAAAAAAAAAAAAAAAAAAAAAAAAAAAAAAAAAAAAAAAAAAAAAAAAAAAAAAAAAAAAAAAAAAAAAAAAAAAAAAAAAAAAAAAAAAAAAAAAAAAAAAAAAAAAAAAAAAFAAAADwAAAAAAAAAAAAAAAAAAAkUAAAAAQAAABQAAAAUAAAAFAAAAAEAAAAAAAAAZAAAAGQAAAAAAAAAZAAAAGQAAAAVAAAAYAAAAAAAAAAAAAAADwAAACADAAAAAAAAAAAAAAEAAACgMgAAVgcAAKr4//8BAAAAf39/AAEAAABkAAAAAAAAABQAAABAHwAAAAAAACYAAAAAAAAAwOD//wAAAAAmAAAAZAAAABYAAABMAAAAAAAAAAAAAAAEAAAAAAAAAAEAAACAgIAKAAAAACgAAAAoAAAAZAAAAGQAAAAAAAAAzMzMAAAAAABQAAAAUAAAAGQAAABkAAAAAAAAABcAAAAUAAAAAAAAAAAAAAD/fwAA/38AAAAAAAAJAAAABAAAADIAATMMAAAAEAAAAAAAAAAAAAAAAAAAAAAAAAAeAAAAaAAAAAAAAAAAAAAAAAAAAAAAAAAAAAAAECcAABAnAAAAAAAAAAAAAAAAAAAAAAAAAAAAAAAAAAAAAAAAAAAAABQAAAAAAAAAwMD/AAAAAABkAAAAMgAAAAAAAABkAAAAAAAAAH9/fwAKAAAAHwAAAFQAAAAAAAAFAAAAAQAAAAAAAAAAAAAAAAAAAAAAAAAAAAAAAAAAAAAAAAAAAAAAAn9/fwAAAAADzMzMAMDA/wB/f38AAAAAAAAAAAAAAAAAAAAAAAAAAAAhAAAAGAAAABQAAAD+FQAArgEAAHA1AACwJQAAEAAAACYAAAAIAAAAAYAAAAAAAAA="/>
+                <pr:smNativeData xmlns:pr="smNativeData" val="SMDATA_13_mZ/BYxMAAAAlAAAAZAAAAA8BAAAAkAAAAEgAAACQAAAASAAAAAAAAAAAAAAAAAAAAAEAAABQAAAAAAAAAAAA4D8AAAAAAADgPwAAAAAAAOA/AAAAAAAA4D8AAAAAAADgPwAAAAAAAOA/AAAAAAAA4D8AAAAAAADgPwAAAAAAAOA/AAAAAAAA4D8CAAAAjAAAAAAAAAAAAAAAu+DjDP///wgAAAAAAAAAAAAAAAAAAAAAAAAAAAAAAAAAAAAAZAAAAAEAAABAAAAAAAAAAAAAAAAAAAAAAAAAAAAAAAAAAAAAAAAAAAAAAAAAAAAAAAAAAAAAAAAAAAAAAAAAAAAAAAAAAAAAAAAAAAAAAAAAAAAAAAAAAAAAAAAAAAAAFAAAADwAAAAAAAAAAAAAAAAAAAkUAAAAAQAAABQAAAAUAAAAFAAAAAEAAAAAAAAAZAAAAGQAAAAAAAAAZAAAAGQAAAAVAAAAYAAAAAAAAAAAAAAADwAAACADAAAAAAAAAAAAAAEAAACgMgAAVgcAAKr4//8BAAAAf39/AAEAAABkAAAAAAAAABQAAABAHwAAAAAAACYAAAAAAAAAwOD//wAAAAAmAAAAZAAAABYAAABMAAAAAAAAAAAAAAAEAAAAAAAAAAEAAACAgIAKAAAAACgAAAAoAAAAZAAAAGQAAAAAAAAAzMzMAAAAAABQAAAAUAAAAGQAAABkAAAAAAAAABcAAAAUAAAAAAAAAAAAAAD/fwAA/38AAAAAAAAJAAAABAAAADIAATMMAAAAEAAAAAAAAAAAAAAAAAAAAAAAAAAeAAAAaAAAAAAAAAAAAAAAAAAAAAAAAAAAAAAAECcAABAnAAAAAAAAAAAAAAAAAAAAAAAAAAAAAAAAAAAAAAAAAAAAABQAAAAAAAAAwMD/AAAAAABkAAAAMgAAAAAAAABkAAAAAAAAAH9/fwAKAAAAHwAAAFQAAAAAAAAFAAAAAQAAAAAAAAAAAAAAAAAAAAAAAAAAAAAAAAAAAAAAAAAAAAAAAn9/fwAAAAADzMzMAMDA/wB/f38AAAAAAAAAAAAAAAAAAAAAAAAAAAAhAAAAGAAAABQAAAD+FQAArgEAAHA1AACwJQAAEAAAACYAAAAIAAAAAYAAAAAAAAA="/>
               </a:ext>
             </a:extLst>
           </p:cNvSpPr>
@@ -2319,7 +2320,7 @@
             <a:spLocks noGrp="1" noChangeArrowheads="1"/>
             <a:extLst>
               <a:ext uri="smNativeData">
-                <pr:smNativeData xmlns:pr="smNativeData" val="SMDATA_13_Zg2zYxMAAAAlAAAAZAAAAA8BAAAAkAAAAEgAAACQAAAASAAAAAAAAAAAAAAAAAAAAAEAAABQAAAAAAAAAAAA4D8AAAAAAADgPwAAAAAAAOA/AAAAAAAA4D8AAAAAAADgPwAAAAAAAOA/AAAAAAAA4D8AAAAAAADgPwAAAAAAAOA/AAAAAAAA4D8CAAAAjAAAAAAAAAAAAAAAu+DjDP///wgAAAAAAAAAAAAAAAAAAAAAAAAAAAAAAAAAAAAAZAAAAAEAAABAAAAAAAAAAAAAAAAAAAAAAAAAAAAAAAAAAAAAAAAAAAAAAAAAAAAAAAAAAAAAAAAAAAAAAAAAAAAAAAAAAAAAAAAAAAAAAAAAAAAAAAAAAAAAAAAAAAAAFAAAADwAAAAAAAAAAAAAAAAAAAkUAAAAAQAAABQAAAAUAAAAFAAAAAEAAAAAAAAAZAAAAGQAAAAAAAAAZAAAAGQAAAAVAAAAYAAAAAAAAAAAAAAADwAAACADAAAAAAAAAAAAAAEAAACgMgAAVgcAAKr4//8BAAAAf39/AAEAAABkAAAAAAAAABQAAABAHwAAAAAAACYAAAAAAAAAwOD//wAAAAAmAAAAZAAAABYAAABMAAAAAAAAAAAAAAAEAAAAAAAAAAEAAACAgIAKAAAAACgAAAAoAAAAZAAAAGQAAAAAAAAAzMzMAAAAAABQAAAAUAAAAGQAAABkAAAAAAAAABcAAAAUAAAAAAAAAAAAAAD/fwAA/38AAAAAAAAJAAAABAAAAGQAAAAMAAAAEAAAAAAAAAAAAAAAAAAAAAAAAAAeAAAAaAAAAAAAAAAAAAAAAAAAAAAAAAAAAAAAECcAABAnAAAAAAAAAAAAAAAAAAAAAAAAAAAAAAAAAAAAAAAAAAAAABQAAAAAAAAAwMD/AAAAAABkAAAAMgAAAAAAAABkAAAAAAAAAH9/fwAKAAAAHwAAAFQAAAAAAAAFAAAAAQAAAAAAAAAAAAAAAAAAAAAAAAAAAAAAAAAAAAAAAAAAAAAAAn9/fwAAAAADzMzMAMDA/wB/f38AAAAAAAAAAAAAAAAAAAAAAAAAAAAhAAAAGAAAABQAAADQAgAA1AgAAFIVAACwJQAAEAAAACYAAAAIAAAAAYAAAAAAAAA="/>
+                <pr:smNativeData xmlns:pr="smNativeData" val="SMDATA_13_mZ/BYxMAAAAlAAAAZAAAAA8BAAAAkAAAAEgAAACQAAAASAAAAAAAAAAAAAAAAAAAAAEAAABQAAAAAAAAAAAA4D8AAAAAAADgPwAAAAAAAOA/AAAAAAAA4D8AAAAAAADgPwAAAAAAAOA/AAAAAAAA4D8AAAAAAADgPwAAAAAAAOA/AAAAAAAA4D8CAAAAjAAAAAAAAAAAAAAAu+DjDP///wgAAAAAAAAAAAAAAAAAAAAAAAAAAAAAAAAAAAAAZAAAAAEAAABAAAAAAAAAAAAAAAAAAAAAAAAAAAAAAAAAAAAAAAAAAAAAAAAAAAAAAAAAAAAAAAAAAAAAAAAAAAAAAAAAAAAAAAAAAAAAAAAAAAAAAAAAAAAAAAAAAAAAFAAAADwAAAAAAAAAAAAAAAAAAAkUAAAAAQAAABQAAAAUAAAAFAAAAAEAAAAAAAAAZAAAAGQAAAAAAAAAZAAAAGQAAAAVAAAAYAAAAAAAAAAAAAAADwAAACADAAAAAAAAAAAAAAEAAACgMgAAVgcAAKr4//8BAAAAf39/AAEAAABkAAAAAAAAABQAAABAHwAAAAAAACYAAAAAAAAAwOD//wAAAAAmAAAAZAAAABYAAABMAAAAAAAAAAAAAAAEAAAAAAAAAAEAAACAgIAKAAAAACgAAAAoAAAAZAAAAGQAAAAAAAAAzMzMAAAAAABQAAAAUAAAAGQAAABkAAAAAAAAABcAAAAUAAAAAAAAAAAAAAD/fwAA/38AAAAAAAAJAAAABAAAAGQAAAAMAAAAEAAAAAAAAAAAAAAAAAAAAAAAAAAeAAAAaAAAAAAAAAAAAAAAAAAAAAAAAAAAAAAAECcAABAnAAAAAAAAAAAAAAAAAAAAAAAAAAAAAAAAAAAAAAAAAAAAABQAAAAAAAAAwMD/AAAAAABkAAAAMgAAAAAAAABkAAAAAAAAAH9/fwAKAAAAHwAAAFQAAAAAAAAFAAAAAQAAAAAAAAAAAAAAAAAAAAAAAAAAAAAAAAAAAAAAAAAAAAAAAn9/fwAAAAADzMzMAMDA/wB/f38AAAAAAAAAAAAAAAAAAAAAAAAAAAAhAAAAGAAAABQAAADQAgAA1AgAAFIVAACwJQAAEAAAACYAAAAIAAAAAYAAAAAAAAA="/>
               </a:ext>
             </a:extLst>
           </p:cNvSpPr>
@@ -2388,7 +2389,7 @@
             <a:spLocks noGrp="1" noChangeArrowheads="1"/>
             <a:extLst>
               <a:ext uri="smNativeData">
-                <pr:smNativeData xmlns:pr="smNativeData" val="SMDATA_13_Zg2zYxMAAAAlAAAAZAAAAA8BAAAAkAAAAEgAAACQAAAASAAAAAAAAAABAAAAAAAAAAEAAABQAAAAAAAAAAAA4D8AAAAAAADgPwAAAAAAAOA/AAAAAAAA4D8AAAAAAADgPwAAAAAAAOA/AAAAAAAA4D8AAAAAAADgPwAAAAAAAOA/AAAAAAAA4D8CAAAAjAAAAAAAAAAAAAAAu+DjDP///wgAAAAAAAAAAAAAAAAAAAAAAAAAAAAAAAAAAAAAZAAAAAEAAABAAAAAAAAAAAAAAAAAAAAAAAAAAAAAAAAAAAAAAAAAAAAAAAAAAAAAAAAAAAAAAAAAAAAAAAAAAAAAAAAAAAAAAAAAAAAAAAAAAAAAAAAAAAAAAAAAAAAAFAAAADwAAAAAAAAAAAAAAAAAAAkUAAAAAQAAABQAAAAUAAAAFAAAAAEAAAAAAAAAZAAAAGQAAAAAAAAAZAAAAGQAAAAVAAAAYAAAAAAAAAAAAAAADwAAACADAAAAAAAAAAAAAAEAAACgMgAAVgcAAKr4//8BAAAAf39/AAEAAABkAAAAAAAAABQAAABAHwAAAAAAACYAAAAAAAAAwOD//wAAAAAmAAAAZAAAABYAAABMAAAAAAAAAAAAAAAEAAAAAAAAAAEAAACAgIAKAAAAACgAAAAoAAAAZAAAAGQAAAAAAAAAzMzMAAAAAABQAAAAUAAAAGQAAABkAAAAAAAAABcAAAAUAAAAAAAAAAAAAAD/fwAA/38AAAAAAAAJAAAABAAAAAAAAAAMAAAAEAAAAAAAAAAAAAAAAAAAAAAAAAAeAAAAaAAAAAAAAAAAAAAAAAAAAAAAAAAAAAAAECcAABAnAAAAAAAAAAAAAAAAAAAAAAAAAAAAAAAAAAAAAAAAAAAAABQAAAAAAAAAwMD/AAAAAABkAAAAMgAAAAAAAABkAAAAAAAAAH9/fwAKAAAAHwAAAFQAAAAAAAAFAAAAAQAAAAAAAAAAAAAAAAAAAAAAAAAAAAAAAAAAAAAAAAAAAAAAAn9/fwAAAAADzMzMAMDA/wB/f38AAAAAAAAAAAAAAAAAAAAAAAAAAAAhAAAAGAAAABQAAADQAgAAGycAAPAPAABZKQAAEAAAACYAAAAIAAAAAAAAAAAAAAA="/>
+                <pr:smNativeData xmlns:pr="smNativeData" val="SMDATA_13_mZ/BYxMAAAAlAAAAZAAAAA8BAAAAkAAAAEgAAACQAAAASAAAAAAAAAABAAAAAAAAAAEAAABQAAAAAAAAAAAA4D8AAAAAAADgPwAAAAAAAOA/AAAAAAAA4D8AAAAAAADgPwAAAAAAAOA/AAAAAAAA4D8AAAAAAADgPwAAAAAAAOA/AAAAAAAA4D8CAAAAjAAAAAAAAAAAAAAAu+DjDP///wgAAAAAAAAAAAAAAAAAAAAAAAAAAAAAAAAAAAAAZAAAAAEAAABAAAAAAAAAAAAAAAAAAAAAAAAAAAAAAAAAAAAAAAAAAAAAAAAAAAAAAAAAAAAAAAAAAAAAAAAAAAAAAAAAAAAAAAAAAAAAAAAAAAAAAAAAAAAAAAAAAAAAFAAAADwAAAAAAAAAAAAAAAAAAAkUAAAAAQAAABQAAAAUAAAAFAAAAAEAAAAAAAAAZAAAAGQAAAAAAAAAZAAAAGQAAAAVAAAAYAAAAAAAAAAAAAAADwAAACADAAAAAAAAAAAAAAEAAACgMgAAVgcAAKr4//8BAAAAf39/AAEAAABkAAAAAAAAABQAAABAHwAAAAAAACYAAAAAAAAAwOD//wAAAAAmAAAAZAAAABYAAABMAAAAAAAAAAAAAAAEAAAAAAAAAAEAAACAgIAKAAAAACgAAAAoAAAAZAAAAGQAAAAAAAAAzMzMAAAAAABQAAAAUAAAAGQAAABkAAAAAAAAABcAAAAUAAAAAAAAAAAAAAD/fwAA/38AAAAAAAAJAAAABAAAAAAAAAAMAAAAEAAAAAAAAAAAAAAAAAAAAAAAAAAeAAAAaAAAAAAAAAAAAAAAAAAAAAAAAAAAAAAAECcAABAnAAAAAAAAAAAAAAAAAAAAAAAAAAAAAAAAAAAAAAAAAAAAABQAAAAAAAAAwMD/AAAAAABkAAAAMgAAAAAAAABkAAAAAAAAAH9/fwAKAAAAHwAAAFQAAAAAAAAFAAAAAQAAAAAAAAAAAAAAAAAAAAAAAAAAAAAAAAAAAAAAAAAAAAAAAn9/fwAAAAADzMzMAMDA/wB/f38AAAAAAAAAAAAAAAAAAAAAAAAAAAAhAAAAGAAAABQAAADQAgAAGycAAPAPAABZKQAAEAAAACYAAAAIAAAAAAAAAAAAAAA="/>
               </a:ext>
             </a:extLst>
           </p:cNvSpPr>
@@ -2402,7 +2403,7 @@
           <a:lstStyle/>
           <a:p>
             <a:pPr/>
-            <a:fld id="{03A99CA7-E9EE-FC6A-A011-1F3FD25F564A}" type="datetime1">
+            <a:fld id="{33B5ACCB-85DE-E05A-900D-730FE2436626}" type="datetime1">
               <a:t/>
             </a:fld>
           </a:p>
@@ -2415,7 +2416,7 @@
             <a:spLocks noGrp="1" noChangeArrowheads="1"/>
             <a:extLst>
               <a:ext uri="smNativeData">
-                <pr:smNativeData xmlns:pr="smNativeData" val="SMDATA_13_Zg2zYxMAAAAlAAAAZAAAAA8BAAAAkAAAAEgAAACQAAAASAAAAAAAAAABAAAAAAAAAAEAAABQAAAAAAAAAAAA4D8AAAAAAADgPwAAAAAAAOA/AAAAAAAA4D8AAAAAAADgPwAAAAAAAOA/AAAAAAAA4D8AAAAAAADgPwAAAAAAAOA/AAAAAAAA4D8CAAAAjAAAAAAAAAAAAAAAu+DjDP///wgAAAAAAAAAAAAAAAAAAAAAAAAAAAAAAAAAAAAAZAAAAAEAAABAAAAAAAAAAAAAAAAAAAAAAAAAAAAAAAAAAAAAAAAAAAAAAAAAAAAAAAAAAAAAAAAAAAAAAAAAAAAAAAAAAAAAAAAAAAAAAAAAAAAAAAAAAAAAAAAAAAAAFAAAADwAAAAAAAAAAAAAAAAAAAkUAAAAAQAAABQAAAAUAAAAFAAAAAEAAAAAAAAAZAAAAGQAAAAAAAAAZAAAAGQAAAAVAAAAYAAAAAAAAAAAAAAADwAAACADAAAAAAAAAAAAAAEAAACgMgAAVgcAAKr4//8BAAAAf39/AAEAAABkAAAAAAAAABQAAABAHwAAAAAAACYAAAAAAAAAwOD//wAAAAAmAAAAZAAAABYAAABMAAAAAAAAAAAAAAAEAAAAAAAAAAEAAACAgIAKAAAAACgAAAAoAAAAZAAAAGQAAAAAAAAAzMzMAAAAAABQAAAAUAAAAGQAAABkAAAAAAAAABcAAAAUAAAAAAAAAAAAAAD/fwAA/38AAAAAAAAJAAAABAAAAAAAAAAMAAAAEAAAAAAAAAAAAAAAAAAAAAAAAAAeAAAAaAAAAAAAAAAAAAAAAAAAAAAAAAAAAAAAECcAABAnAAAAAAAAAAAAAAAAAAAAAAAAAAAAAAAAAAAAAAAAAAAAABQAAAAAAAAAwMD/AAAAAABkAAAAMgAAAAAAAABkAAAAAAAAAH9/fwAKAAAAHwAAAFQAAAAAAAAFAAAAAQAAAAAAAAAAAAAAAAAAAAAAAAAAAAAAAAAAAAAAAAAAAAAAAn9/fwAAAAADzMzMAMDA/wB/f38AAAAAAAAAAAAAAAAAAAAAAAAAAAAhAAAAGAAAABQAAAA4EwAAGycAAAglAABZKQAAEAAAACYAAAAIAAAAAAAAAAAAAAA="/>
+                <pr:smNativeData xmlns:pr="smNativeData" val="SMDATA_13_mZ/BYxMAAAAlAAAAZAAAAA8BAAAAkAAAAEgAAACQAAAASAAAAAAAAAABAAAAAAAAAAEAAABQAAAAAAAAAAAA4D8AAAAAAADgPwAAAAAAAOA/AAAAAAAA4D8AAAAAAADgPwAAAAAAAOA/AAAAAAAA4D8AAAAAAADgPwAAAAAAAOA/AAAAAAAA4D8CAAAAjAAAAAAAAAAAAAAAu+DjDP///wgAAAAAAAAAAAAAAAAAAAAAAAAAAAAAAAAAAAAAZAAAAAEAAABAAAAAAAAAAAAAAAAAAAAAAAAAAAAAAAAAAAAAAAAAAAAAAAAAAAAAAAAAAAAAAAAAAAAAAAAAAAAAAAAAAAAAAAAAAAAAAAAAAAAAAAAAAAAAAAAAAAAAFAAAADwAAAAAAAAAAAAAAAAAAAkUAAAAAQAAABQAAAAUAAAAFAAAAAEAAAAAAAAAZAAAAGQAAAAAAAAAZAAAAGQAAAAVAAAAYAAAAAAAAAAAAAAADwAAACADAAAAAAAAAAAAAAEAAACgMgAAVgcAAKr4//8BAAAAf39/AAEAAABkAAAAAAAAABQAAABAHwAAAAAAACYAAAAAAAAAwOD//wAAAAAmAAAAZAAAABYAAABMAAAAAAAAAAAAAAAEAAAAAAAAAAEAAACAgIAKAAAAACgAAAAoAAAAZAAAAGQAAAAAAAAAzMzMAAAAAABQAAAAUAAAAGQAAABkAAAAAAAAABcAAAAUAAAAAAAAAAAAAAD/fwAA/38AAAAAAAAJAAAABAAAAAAAAAAMAAAAEAAAAAAAAAAAAAAAAAAAAAAAAAAeAAAAaAAAAAAAAAAAAAAAAAAAAAAAAAAAAAAAECcAABAnAAAAAAAAAAAAAAAAAAAAAAAAAAAAAAAAAAAAAAAAAAAAABQAAAAAAAAAwMD/AAAAAABkAAAAMgAAAAAAAABkAAAAAAAAAH9/fwAKAAAAHwAAAFQAAAAAAAAFAAAAAQAAAAAAAAAAAAAAAAAAAAAAAAAAAAAAAAAAAAAAAAAAAAAAAn9/fwAAAAADzMzMAMDA/wB/f38AAAAAAAAAAAAAAAAAAAAAAAAAAAAhAAAAGAAAABQAAAA4EwAAGycAAAglAABZKQAAEAAAACYAAAAIAAAAAAAAAAAAAAA="/>
               </a:ext>
             </a:extLst>
           </p:cNvSpPr>
@@ -2439,7 +2440,7 @@
             <a:spLocks noGrp="1" noChangeArrowheads="1"/>
             <a:extLst>
               <a:ext uri="smNativeData">
-                <pr:smNativeData xmlns:pr="smNativeData" val="SMDATA_13_Zg2zYxMAAAAlAAAAZAAAAA8BAAAAkAAAAEgAAACQAAAASAAAAAAAAAABAAAAAAAAAAEAAABQAAAAAAAAAAAA4D8AAAAAAADgPwAAAAAAAOA/AAAAAAAA4D8AAAAAAADgPwAAAAAAAOA/AAAAAAAA4D8AAAAAAADgPwAAAAAAAOA/AAAAAAAA4D8CAAAAjAAAAAAAAAAAAAAAu+DjDP///wgAAAAAAAAAAAAAAAAAAAAAAAAAAAAAAAAAAAAAZAAAAAEAAABAAAAAAAAAAAAAAAAAAAAAAAAAAAAAAAAAAAAAAAAAAAAAAAAAAAAAAAAAAAAAAAAAAAAAAAAAAAAAAAAAAAAAAAAAAAAAAAAAAAAAAAAAAAAAAAAAAAAAFAAAADwAAAAAAAAAAAAAAAAAAAkUAAAAAQAAABQAAAAUAAAAFAAAAAEAAAAAAAAAZAAAAGQAAAAAAAAAZAAAAGQAAAAVAAAAYAAAAAAAAAAAAAAADwAAACADAAAAAAAAAAAAAAEAAACgMgAAVgcAAKr4//8BAAAAf39/AAEAAABkAAAAAAAAABQAAABAHwAAAAAAACYAAAAAAAAAwOD//wAAAAAmAAAAZAAAABYAAABMAAAAAAAAAAAAAAAEAAAAAAAAAAEAAACAgIAKAAAAACgAAAAoAAAAZAAAAGQAAAAAAAAAzMzMAAAAAABQAAAAUAAAAGQAAABkAAAAAAAAABcAAAAUAAAAAAAAAAAAAAD/fwAA/38AAAAAAAAJAAAABAAAAAAAAAAMAAAAEAAAAAAAAAAAAAAAAAAAAAAAAAAeAAAAaAAAAAAAAAAAAAAAAAAAAAAAAAAAAAAAECcAABAnAAAAAAAAAAAAAAAAAAAAAAAAAAAAAAAAAAAAAAAAAAAAABQAAAAAAAAAwMD/AAAAAABkAAAAMgAAAAAAAABkAAAAAAAAAH9/fwAKAAAAHwAAAFQAAAAAAAAFAAAAAQAAAAAAAAAAAAAAAAAAAAAAAAAAAAAAAAAAAAAAAAAAAAAAAn9/fwAAAAADzMzMAMDA/wB/f38AAAAAAAAAAAAAAAAAAAAAAAAAAAAhAAAAGAAAABQAAABQKAAAGycAAHA1AABZKQAAEAAAACYAAAAIAAAAAAAAAAAAAAA="/>
+                <pr:smNativeData xmlns:pr="smNativeData" val="SMDATA_13_mZ/BYxMAAAAlAAAAZAAAAA8BAAAAkAAAAEgAAACQAAAASAAAAAAAAAABAAAAAAAAAAEAAABQAAAAAAAAAAAA4D8AAAAAAADgPwAAAAAAAOA/AAAAAAAA4D8AAAAAAADgPwAAAAAAAOA/AAAAAAAA4D8AAAAAAADgPwAAAAAAAOA/AAAAAAAA4D8CAAAAjAAAAAAAAAAAAAAAu+DjDP///wgAAAAAAAAAAAAAAAAAAAAAAAAAAAAAAAAAAAAAZAAAAAEAAABAAAAAAAAAAAAAAAAAAAAAAAAAAAAAAAAAAAAAAAAAAAAAAAAAAAAAAAAAAAAAAAAAAAAAAAAAAAAAAAAAAAAAAAAAAAAAAAAAAAAAAAAAAAAAAAAAAAAAFAAAADwAAAAAAAAAAAAAAAAAAAkUAAAAAQAAABQAAAAUAAAAFAAAAAEAAAAAAAAAZAAAAGQAAAAAAAAAZAAAAGQAAAAVAAAAYAAAAAAAAAAAAAAADwAAACADAAAAAAAAAAAAAAEAAACgMgAAVgcAAKr4//8BAAAAf39/AAEAAABkAAAAAAAAABQAAABAHwAAAAAAACYAAAAAAAAAwOD//wAAAAAmAAAAZAAAABYAAABMAAAAAAAAAAAAAAAEAAAAAAAAAAEAAACAgIAKAAAAACgAAAAoAAAAZAAAAGQAAAAAAAAAzMzMAAAAAABQAAAAUAAAAGQAAABkAAAAAAAAABcAAAAUAAAAAAAAAAAAAAD/fwAA/38AAAAAAAAJAAAABAAAAAAAAAAMAAAAEAAAAAAAAAAAAAAAAAAAAAAAAAAeAAAAaAAAAAAAAAAAAAAAAAAAAAAAAAAAAAAAECcAABAnAAAAAAAAAAAAAAAAAAAAAAAAAAAAAAAAAAAAAAAAAAAAABQAAAAAAAAAwMD/AAAAAABkAAAAMgAAAAAAAABkAAAAAAAAAH9/fwAKAAAAHwAAAFQAAAAAAAAFAAAAAQAAAAAAAAAAAAAAAAAAAAAAAAAAAAAAAAAAAAAAAAAAAAAAAn9/fwAAAAADzMzMAMDA/wB/f38AAAAAAAAAAAAAAAAAAAAAAAAAAAAhAAAAGAAAABQAAABQKAAAGycAAHA1AABZKQAAEAAAACYAAAAIAAAAAAAAAAAAAAA="/>
               </a:ext>
             </a:extLst>
           </p:cNvSpPr>
@@ -2453,7 +2454,7 @@
           <a:lstStyle/>
           <a:p>
             <a:pPr/>
-            <a:fld id="{03A9AEB6-F8EE-FC58-A011-0E0DE05F565B}" type="slidenum">
+            <a:fld id="{33B5B661-2FDE-E040-900D-D915F843668C}" type="slidenum">
               <a:t/>
             </a:fld>
           </a:p>
@@ -2491,7 +2492,7 @@
             <a:spLocks noGrp="1" noChangeArrowheads="1"/>
             <a:extLst>
               <a:ext uri="smNativeData">
-                <pr:smNativeData xmlns:pr="smNativeData" val="SMDATA_13_Zg2zYxMAAAAlAAAAZAAAAA8BAAAAkAAAAEgAAACQAAAASAAAAAAAAAACAAAAAAAAAAEAAABQAAAAAAAAAAAA4D8AAAAAAADgPwAAAAAAAOA/AAAAAAAA4D8AAAAAAADgPwAAAAAAAOA/AAAAAAAA4D8AAAAAAADgPwAAAAAAAOA/AAAAAAAA4D8CAAAAjAAAAAAAAAAAAAAAu+DjDP///wgAAAAAAAAAAAAAAAAAAAAAAAAAAAAAAAAAAAAAZAAAAAEAAABAAAAAAAAAAAAAAAAAAAAAAAAAAAAAAAAAAAAAAAAAAAAAAAAAAAAAAAAAAAAAAAAAAAAAAAAAAAAAAAAAAAAAAAAAAAAAAAAAAAAAAAAAAAAAAAAAAAAAFAAAADwAAAAAAAAAAAAAAAAAAAkUAAAAAQAAABQAAAAUAAAAFAAAAAEAAAAAAAAAZAAAAGQAAAAAAAAAZAAAAGQAAAAVAAAAYAAAAAAAAAAAAAAADwAAACADAAAAAAAAAAAAAAEAAACgMgAAVgcAAKr4//8BAAAAf39/AAEAAABkAAAAAAAAABQAAABAHwAAAAAAACYAAAAAAAAAwOD//wAAAAAmAAAAZAAAABYAAABMAAAAAAAAAAAAAAAEAAAAAAAAAAEAAACAgIAKAAAAACgAAAAoAAAAZAAAAGQAAAAAAAAAzMzMAAAAAABQAAAAUAAAAGQAAABkAAAAAAAAABcAAAAUAAAAAAAAAAAAAAD/fwAA/38AAAAAAAAJAAAABAAAAH9/fwAMAAAAEAAAAAAAAAAAAAAAAAAAAAAAAAAeAAAAaAAAAAAAAAAAAAAAAAAAAAAAAAAAAAAAECcAABAnAAAAAAAAAAAAAAAAAAAAAAAAAAAAAAAAAAAAAAAAAAAAABQAAAAAAAAAwMD/AAAAAABkAAAAMgAAAAAAAABkAAAAAAAAAH9/fwAKAAAAHwAAAFQAAAAAAAAFAAAAAQAAAAAAAAAAAAAAAAAAAAAAAAAAAAAAAAAAAAAAAAAAAAAAAn9/fwAAAAADzMzMAMDA/wB/f38AAAAAAAAAAAAAAAAAAAAAAAAAAAAhAAAAGAAAABQAAAAGCwAAiB0AAMYsAAAEIQAAEAAAACYAAAAIAAAAgYAAAAAAAAA="/>
+                <pr:smNativeData xmlns:pr="smNativeData" val="SMDATA_13_mZ/BYxMAAAAlAAAAZAAAAA8BAAAAkAAAAEgAAACQAAAASAAAAAAAAAACAAAAAAAAAAEAAABQAAAAAAAAAAAA4D8AAAAAAADgPwAAAAAAAOA/AAAAAAAA4D8AAAAAAADgPwAAAAAAAOA/AAAAAAAA4D8AAAAAAADgPwAAAAAAAOA/AAAAAAAA4D8CAAAAjAAAAAAAAAAAAAAAu+DjDP///wgAAAAAAAAAAAAAAAAAAAAAAAAAAAAAAAAAAAAAZAAAAAEAAABAAAAAAAAAAAAAAAAAAAAAAAAAAAAAAAAAAAAAAAAAAAAAAAAAAAAAAAAAAAAAAAAAAAAAAAAAAAAAAAAAAAAAAAAAAAAAAAAAAAAAAAAAAAAAAAAAAAAAFAAAADwAAAAAAAAAAAAAAAAAAAkUAAAAAQAAABQAAAAUAAAAFAAAAAEAAAAAAAAAZAAAAGQAAAAAAAAAZAAAAGQAAAAVAAAAYAAAAAAAAAAAAAAADwAAACADAAAAAAAAAAAAAAEAAACgMgAAVgcAAKr4//8BAAAAf39/AAEAAABkAAAAAAAAABQAAABAHwAAAAAAACYAAAAAAAAAwOD//wAAAAAmAAAAZAAAABYAAABMAAAAAAAAAAAAAAAEAAAAAAAAAAEAAACAgIAKAAAAACgAAAAoAAAAZAAAAGQAAAAAAAAAzMzMAAAAAABQAAAAUAAAAGQAAABkAAAAAAAAABcAAAAUAAAAAAAAAAAAAAD/fwAA/38AAAAAAAAJAAAABAAAAH9/fwAMAAAAEAAAAAAAAAAAAAAAAAAAAAAAAAAeAAAAaAAAAAAAAAAAAAAAAAAAAAAAAAAAAAAAECcAABAnAAAAAAAAAAAAAAAAAAAAAAAAAAAAAAAAAAAAAAAAAAAAABQAAAAAAAAAwMD/AAAAAABkAAAAMgAAAAAAAABkAAAAAAAAAH9/fwAKAAAAHwAAAFQAAAAAAAAFAAAAAQAAAAAAAAAAAAAAAAAAAAAAAAAAAAAAAAAAAAAAAAAAAAAAAn9/fwAAAAADzMzMAMDA/wB/f38AAAAAAAAAAAAAAAAAAAAAAAAAAAAhAAAAGAAAABQAAAAGCwAAiB0AAMYsAAAEIQAAEAAAACYAAAAIAAAAgYAAAAAAAAA="/>
               </a:ext>
             </a:extLst>
           </p:cNvSpPr>
@@ -2531,7 +2532,7 @@
             <a:spLocks noGrp="1" noChangeArrowheads="1"/>
             <a:extLst>
               <a:ext uri="smNativeData">
-                <pr:smNativeData xmlns:pr="smNativeData" val="SMDATA_13_Zg2zYxMAAAAlAAAAZAAAAA8BAAAAkAAAAEgAAACQAAAASAAAAAAAAAAAAAAAAAAAAAEAAABQAAAAAAAAAAAA4D8AAAAAAADgPwAAAAAAAOA/AAAAAAAA4D8AAAAAAADgPwAAAAAAAOA/AAAAAAAA4D8AAAAAAADgPwAAAAAAAOA/AAAAAAAA4D8CAAAAjAAAAAAAAAAAAAAAu+DjDP///wgAAAAAAAAAAAAAAAAAAAAAAAAAAAAAAAAAAAAAZAAAAAEAAABAAAAAAAAAAAAAAAAAAAAAAAAAAAAAAAAAAAAAAAAAAAAAAAAAAAAAAAAAAAAAAAAAAAAAAAAAAAAAAAAAAAAAAAAAAAAAAAAAAAAAAAAAAAAAAAAAAAAAFAAAADwAAAAAAAAAAAAAAAAAAAkUAAAAAQAAABQAAAAUAAAAFAAAAAEAAAAAAAAAZAAAAGQAAAAAAAAAZAAAAGQAAAAVAAAAYAAAAAAAAAAAAAAADwAAACADAAAAAAAAAAAAAAEAAACgMgAAVgcAAKr4//8BAAAAf39/AAEAAABkAAAAAAAAABQAAABAHwAAAAAAACYAAAAAAAAAwOD//wAAAAAmAAAAZAAAABYAAABMAAAAAAAAAAAAAAAEAAAAAAAAAAEAAACAgIAKAAAAACgAAAAoAAAAZAAAAGQAAAAAAAAAzMzMAAAAAABQAAAAUAAAAGQAAABkAAAAAAAAABcAAAAUAAAAAAAAAAAAAAD/fwAA/38AAAAAAAAJAAAABAAAAAAAAAAMAAAAEAAAAAAAAAAAAAAAAAAAAAAAAAAeAAAAaAAAAAAAAAAAAAAAAAAAAAAAAAAAAAAAECcAABAnAAAAAAAAAAAAAAAAAAAAAAAAAAAAAAAAAAAAAAAAAAAAABQAAAAAAAAAwMD/AAAAAABkAAAAMgAAAAAAAABkAAAAAAAAAH9/fwAKAAAAHwAAAFQAAAAAAAAFAAAAAQAAAAAAAAAAAAAAAAAAAAAAAAAAAAAAAAAAAAAAAAAAAAAAAn9/fwAAAAADzMzMAMDA/wB/f38AAAAAAAAAAAAAAAAAAAAAAAAAAAAhAAAAGAAAABQAAAAGCwAAxgMAAMYsAAAWHQAAEAAAACYAAAAIAAAAAYAAAAAAAAA="/>
+                <pr:smNativeData xmlns:pr="smNativeData" val="SMDATA_13_mZ/BYxMAAAAlAAAAZAAAAA8BAAAAkAAAAEgAAACQAAAASAAAAAAAAAAAAAAAAAAAAAEAAABQAAAAAAAAAAAA4D8AAAAAAADgPwAAAAAAAOA/AAAAAAAA4D8AAAAAAADgPwAAAAAAAOA/AAAAAAAA4D8AAAAAAADgPwAAAAAAAOA/AAAAAAAA4D8CAAAAjAAAAAAAAAAAAAAAu+DjDP///wgAAAAAAAAAAAAAAAAAAAAAAAAAAAAAAAAAAAAAZAAAAAEAAABAAAAAAAAAAAAAAAAAAAAAAAAAAAAAAAAAAAAAAAAAAAAAAAAAAAAAAAAAAAAAAAAAAAAAAAAAAAAAAAAAAAAAAAAAAAAAAAAAAAAAAAAAAAAAAAAAAAAAFAAAADwAAAAAAAAAAAAAAAAAAAkUAAAAAQAAABQAAAAUAAAAFAAAAAEAAAAAAAAAZAAAAGQAAAAAAAAAZAAAAGQAAAAVAAAAYAAAAAAAAAAAAAAADwAAACADAAAAAAAAAAAAAAEAAACgMgAAVgcAAKr4//8BAAAAf39/AAEAAABkAAAAAAAAABQAAABAHwAAAAAAACYAAAAAAAAAwOD//wAAAAAmAAAAZAAAABYAAABMAAAAAAAAAAAAAAAEAAAAAAAAAAEAAACAgIAKAAAAACgAAAAoAAAAZAAAAGQAAAAAAAAAzMzMAAAAAABQAAAAUAAAAGQAAABkAAAAAAAAABcAAAAUAAAAAAAAAAAAAAD/fwAA/38AAAAAAAAJAAAABAAAAAAAAAAMAAAAEAAAAAAAAAAAAAAAAAAAAAAAAAAeAAAAaAAAAAAAAAAAAAAAAAAAAAAAAAAAAAAAECcAABAnAAAAAAAAAAAAAAAAAAAAAAAAAAAAAAAAAAAAAAAAAAAAABQAAAAAAAAAwMD/AAAAAABkAAAAMgAAAAAAAABkAAAAAAAAAH9/fwAKAAAAHwAAAFQAAAAAAAAFAAAAAQAAAAAAAAAAAAAAAAAAAAAAAAAAAAAAAAAAAAAAAAAAAAAAAn9/fwAAAAADzMzMAMDA/wB/f38AAAAAAAAAAAAAAAAAAAAAAAAAAAAhAAAAGAAAABQAAAAGCwAAxgMAAMYsAAAWHQAAEAAAACYAAAAIAAAAAYAAAAAAAAA="/>
               </a:ext>
             </a:extLst>
           </p:cNvSpPr>
@@ -2600,7 +2601,7 @@
             <a:spLocks noGrp="1" noChangeArrowheads="1"/>
             <a:extLst>
               <a:ext uri="smNativeData">
-                <pr:smNativeData xmlns:pr="smNativeData" val="SMDATA_13_Zg2zYxMAAAAlAAAAZAAAAA8BAAAAkAAAAEgAAACQAAAASAAAAAAAAAAAAAAAAAAAAAEAAABQAAAAAAAAAAAA4D8AAAAAAADgPwAAAAAAAOA/AAAAAAAA4D8AAAAAAADgPwAAAAAAAOA/AAAAAAAA4D8AAAAAAADgPwAAAAAAAOA/AAAAAAAA4D8CAAAAjAAAAAAAAAAAAAAAu+DjDP///wgAAAAAAAAAAAAAAAAAAAAAAAAAAAAAAAAAAAAAZAAAAAEAAABAAAAAAAAAAAAAAAAAAAAAAAAAAAAAAAAAAAAAAAAAAAAAAAAAAAAAAAAAAAAAAAAAAAAAAAAAAAAAAAAAAAAAAAAAAAAAAAAAAAAAAAAAAAAAAAAAAAAAFAAAADwAAAAAAAAAAAAAAAAAAAkUAAAAAQAAABQAAAAUAAAAFAAAAAEAAAAAAAAAZAAAAGQAAAAAAAAAZAAAAGQAAAAVAAAAYAAAAAAAAAAAAAAADwAAACADAAAAAAAAAAAAAAEAAACgMgAAVgcAAKr4//8BAAAAf39/AAEAAABkAAAAAAAAABQAAABAHwAAAAAAACYAAAAAAAAAwOD//wAAAAAmAAAAZAAAABYAAABMAAAAAAAAAAAAAAAEAAAAAAAAAAEAAACAgIAKAAAAACgAAAAoAAAAZAAAAGQAAAAAAAAAzMzMAAAAAABQAAAAUAAAAGQAAABkAAAAAAAAABcAAAAUAAAAAAAAAAAAAAD/fwAA/38AAAAAAAAJAAAABAAAAAAAAAAMAAAAEAAAAAAAAAAAAAAAAAAAAAAAAAAeAAAAaAAAAAAAAAAAAAAAAAAAAAAAAAAAAAAAECcAABAnAAAAAAAAAAAAAAAAAAAAAAAAAAAAAAAAAAAAAAAAAAAAABQAAAAAAAAAwMD/AAAAAABkAAAAMgAAAAAAAABkAAAAAAAAAH9/fwAKAAAAHwAAAFQAAAAAAAAFAAAAAQAAAAAAAAAAAAAAAAAAAAAAAAAAAAAAAAAAAAAAAAAAAAAAAn9/fwAAAAADzMzMAMDA/wB/f38AAAAAAAAAAAAAAAAAAAAAAAAAAAAhAAAAGAAAABQAAAAGCwAABCEAAMYsAAD4JQAAEAAAACYAAAAIAAAAAYAAAAAAAAA="/>
+                <pr:smNativeData xmlns:pr="smNativeData" val="SMDATA_13_mZ/BYxMAAAAlAAAAZAAAAA8BAAAAkAAAAEgAAACQAAAASAAAAAAAAAAAAAAAAAAAAAEAAABQAAAAAAAAAAAA4D8AAAAAAADgPwAAAAAAAOA/AAAAAAAA4D8AAAAAAADgPwAAAAAAAOA/AAAAAAAA4D8AAAAAAADgPwAAAAAAAOA/AAAAAAAA4D8CAAAAjAAAAAAAAAAAAAAAu+DjDP///wgAAAAAAAAAAAAAAAAAAAAAAAAAAAAAAAAAAAAAZAAAAAEAAABAAAAAAAAAAAAAAAAAAAAAAAAAAAAAAAAAAAAAAAAAAAAAAAAAAAAAAAAAAAAAAAAAAAAAAAAAAAAAAAAAAAAAAAAAAAAAAAAAAAAAAAAAAAAAAAAAAAAAFAAAADwAAAAAAAAAAAAAAAAAAAkUAAAAAQAAABQAAAAUAAAAFAAAAAEAAAAAAAAAZAAAAGQAAAAAAAAAZAAAAGQAAAAVAAAAYAAAAAAAAAAAAAAADwAAACADAAAAAAAAAAAAAAEAAACgMgAAVgcAAKr4//8BAAAAf39/AAEAAABkAAAAAAAAABQAAABAHwAAAAAAACYAAAAAAAAAwOD//wAAAAAmAAAAZAAAABYAAABMAAAAAAAAAAAAAAAEAAAAAAAAAAEAAACAgIAKAAAAACgAAAAoAAAAZAAAAGQAAAAAAAAAzMzMAAAAAABQAAAAUAAAAGQAAABkAAAAAAAAABcAAAAUAAAAAAAAAAAAAAD/fwAA/38AAAAAAAAJAAAABAAAAAAAAAAMAAAAEAAAAAAAAAAAAAAAAAAAAAAAAAAeAAAAaAAAAAAAAAAAAAAAAAAAAAAAAAAAAAAAECcAABAnAAAAAAAAAAAAAAAAAAAAAAAAAAAAAAAAAAAAAAAAAAAAABQAAAAAAAAAwMD/AAAAAABkAAAAMgAAAAAAAABkAAAAAAAAAH9/fwAKAAAAHwAAAFQAAAAAAAAFAAAAAQAAAAAAAAAAAAAAAAAAAAAAAAAAAAAAAAAAAAAAAAAAAAAAAn9/fwAAAAADzMzMAMDA/wB/f38AAAAAAAAAAAAAAAAAAAAAAAAAAAAhAAAAGAAAABQAAAAGCwAABCEAAMYsAAD4JQAAEAAAACYAAAAIAAAAAYAAAAAAAAA="/>
               </a:ext>
             </a:extLst>
           </p:cNvSpPr>
@@ -2669,7 +2670,7 @@
             <a:spLocks noGrp="1" noChangeArrowheads="1"/>
             <a:extLst>
               <a:ext uri="smNativeData">
-                <pr:smNativeData xmlns:pr="smNativeData" val="SMDATA_13_Zg2zYxMAAAAlAAAAZAAAAA8BAAAAkAAAAEgAAACQAAAASAAAAAAAAAABAAAAAAAAAAEAAABQAAAAAAAAAAAA4D8AAAAAAADgPwAAAAAAAOA/AAAAAAAA4D8AAAAAAADgPwAAAAAAAOA/AAAAAAAA4D8AAAAAAADgPwAAAAAAAOA/AAAAAAAA4D8CAAAAjAAAAAAAAAAAAAAAu+DjDP///wgAAAAAAAAAAAAAAAAAAAAAAAAAAAAAAAAAAAAAZAAAAAEAAABAAAAAAAAAAAAAAAAAAAAAAAAAAAAAAAAAAAAAAAAAAAAAAAAAAAAAAAAAAAAAAAAAAAAAAAAAAAAAAAAAAAAAAAAAAAAAAAAAAAAAAAAAAAAAAAAAAAAAFAAAADwAAAAAAAAAAAAAAAAAAAkUAAAAAQAAABQAAAAUAAAAFAAAAAEAAAAAAAAAZAAAAGQAAAAAAAAAZAAAAGQAAAAVAAAAYAAAAAAAAAAAAAAADwAAACADAAAAAAAAAAAAAAEAAACgMgAAVgcAAKr4//8BAAAAf39/AAEAAABkAAAAAAAAABQAAABAHwAAAAAAACYAAAAAAAAAwOD//wAAAAAmAAAAZAAAABYAAABMAAAAAAAAAAAAAAAEAAAAAAAAAAEAAACAgIAKAAAAACgAAAAoAAAAZAAAAGQAAAAAAAAAzMzMAAAAAABQAAAAUAAAAGQAAABkAAAAAAAAABcAAAAUAAAAAAAAAAAAAAD/fwAA/38AAAAAAAAJAAAABAAAAAAAAAAMAAAAEAAAAAAAAAAAAAAAAAAAAAAAAAAeAAAAaAAAAAAAAAAAAAAAAAAAAAAAAAAAAAAAECcAABAnAAAAAAAAAAAAAAAAAAAAAAAAAAAAAAAAAAAAAAAAAAAAABQAAAAAAAAAwMD/AAAAAABkAAAAMgAAAAAAAABkAAAAAAAAAH9/fwAKAAAAHwAAAFQAAAAAAAAFAAAAAQAAAAAAAAAAAAAAAAAAAAAAAAAAAAAAAAAAAAAAAAAAAAAAAn9/fwAAAAADzMzMAMDA/wB/f38AAAAAAAAAAAAAAAAAAAAAAAAAAAAhAAAAGAAAABQAAADQAgAAGycAAPAPAABZKQAAEAAAACYAAAAIAAAAAAAAAAAAAAA="/>
+                <pr:smNativeData xmlns:pr="smNativeData" val="SMDATA_13_mZ/BYxMAAAAlAAAAZAAAAA8BAAAAkAAAAEgAAACQAAAASAAAAAAAAAABAAAAAAAAAAEAAABQAAAAAAAAAAAA4D8AAAAAAADgPwAAAAAAAOA/AAAAAAAA4D8AAAAAAADgPwAAAAAAAOA/AAAAAAAA4D8AAAAAAADgPwAAAAAAAOA/AAAAAAAA4D8CAAAAjAAAAAAAAAAAAAAAu+DjDP///wgAAAAAAAAAAAAAAAAAAAAAAAAAAAAAAAAAAAAAZAAAAAEAAABAAAAAAAAAAAAAAAAAAAAAAAAAAAAAAAAAAAAAAAAAAAAAAAAAAAAAAAAAAAAAAAAAAAAAAAAAAAAAAAAAAAAAAAAAAAAAAAAAAAAAAAAAAAAAAAAAAAAAFAAAADwAAAAAAAAAAAAAAAAAAAkUAAAAAQAAABQAAAAUAAAAFAAAAAEAAAAAAAAAZAAAAGQAAAAAAAAAZAAAAGQAAAAVAAAAYAAAAAAAAAAAAAAADwAAACADAAAAAAAAAAAAAAEAAACgMgAAVgcAAKr4//8BAAAAf39/AAEAAABkAAAAAAAAABQAAABAHwAAAAAAACYAAAAAAAAAwOD//wAAAAAmAAAAZAAAABYAAABMAAAAAAAAAAAAAAAEAAAAAAAAAAEAAACAgIAKAAAAACgAAAAoAAAAZAAAAGQAAAAAAAAAzMzMAAAAAABQAAAAUAAAAGQAAABkAAAAAAAAABcAAAAUAAAAAAAAAAAAAAD/fwAA/38AAAAAAAAJAAAABAAAAAAAAAAMAAAAEAAAAAAAAAAAAAAAAAAAAAAAAAAeAAAAaAAAAAAAAAAAAAAAAAAAAAAAAAAAAAAAECcAABAnAAAAAAAAAAAAAAAAAAAAAAAAAAAAAAAAAAAAAAAAAAAAABQAAAAAAAAAwMD/AAAAAABkAAAAMgAAAAAAAABkAAAAAAAAAH9/fwAKAAAAHwAAAFQAAAAAAAAFAAAAAQAAAAAAAAAAAAAAAAAAAAAAAAAAAAAAAAAAAAAAAAAAAAAAAn9/fwAAAAADzMzMAMDA/wB/f38AAAAAAAAAAAAAAAAAAAAAAAAAAAAhAAAAGAAAABQAAADQAgAAGycAAPAPAABZKQAAEAAAACYAAAAIAAAAAAAAAAAAAAA="/>
               </a:ext>
             </a:extLst>
           </p:cNvSpPr>
@@ -2683,7 +2684,7 @@
           <a:lstStyle/>
           <a:p>
             <a:pPr/>
-            <a:fld id="{03A9CBCD-83EE-FC3D-A011-7568855F5620}" type="datetime1">
+            <a:fld id="{33B5B54A-04DE-E043-900D-F216FB4366A7}" type="datetime1">
               <a:t/>
             </a:fld>
           </a:p>
@@ -2696,7 +2697,7 @@
             <a:spLocks noGrp="1" noChangeArrowheads="1"/>
             <a:extLst>
               <a:ext uri="smNativeData">
-                <pr:smNativeData xmlns:pr="smNativeData" val="SMDATA_13_Zg2zYxMAAAAlAAAAZAAAAA8BAAAAkAAAAEgAAACQAAAASAAAAAAAAAABAAAAAAAAAAEAAABQAAAAAAAAAAAA4D8AAAAAAADgPwAAAAAAAOA/AAAAAAAA4D8AAAAAAADgPwAAAAAAAOA/AAAAAAAA4D8AAAAAAADgPwAAAAAAAOA/AAAAAAAA4D8CAAAAjAAAAAAAAAAAAAAAu+DjDP///wgAAAAAAAAAAAAAAAAAAAAAAAAAAAAAAAAAAAAAZAAAAAEAAABAAAAAAAAAAAAAAAAAAAAAAAAAAAAAAAAAAAAAAAAAAAAAAAAAAAAAAAAAAAAAAAAAAAAAAAAAAAAAAAAAAAAAAAAAAAAAAAAAAAAAAAAAAAAAAAAAAAAAFAAAADwAAAAAAAAAAAAAAAAAAAkUAAAAAQAAABQAAAAUAAAAFAAAAAEAAAAAAAAAZAAAAGQAAAAAAAAAZAAAAGQAAAAVAAAAYAAAAAAAAAAAAAAADwAAACADAAAAAAAAAAAAAAEAAACgMgAAVgcAAKr4//8BAAAAf39/AAEAAABkAAAAAAAAABQAAABAHwAAAAAAACYAAAAAAAAAwOD//wAAAAAmAAAAZAAAABYAAABMAAAAAAAAAAAAAAAEAAAAAAAAAAEAAACAgIAKAAAAACgAAAAoAAAAZAAAAGQAAAAAAAAAzMzMAAAAAABQAAAAUAAAAGQAAABkAAAAAAAAABcAAAAUAAAAAAAAAAAAAAD/fwAA/38AAAAAAAAJAAAABAAAAAAAAAAMAAAAEAAAAAAAAAAAAAAAAAAAAAAAAAAeAAAAaAAAAAAAAAAAAAAAAAAAAAAAAAAAAAAAECcAABAnAAAAAAAAAAAAAAAAAAAAAAAAAAAAAAAAAAAAAAAAAAAAABQAAAAAAAAAwMD/AAAAAABkAAAAMgAAAAAAAABkAAAAAAAAAH9/fwAKAAAAHwAAAFQAAAAAAAAFAAAAAQAAAAAAAAAAAAAAAAAAAAAAAAAAAAAAAAAAAAAAAAAAAAAAAn9/fwAAAAADzMzMAMDA/wB/f38AAAAAAAAAAAAAAAAAAAAAAAAAAAAhAAAAGAAAABQAAAA4EwAAGycAAAglAABZKQAAEAAAACYAAAAIAAAAAAAAAAAAAAA="/>
+                <pr:smNativeData xmlns:pr="smNativeData" val="SMDATA_13_mZ/BYxMAAAAlAAAAZAAAAA8BAAAAkAAAAEgAAACQAAAASAAAAAAAAAABAAAAAAAAAAEAAABQAAAAAAAAAAAA4D8AAAAAAADgPwAAAAAAAOA/AAAAAAAA4D8AAAAAAADgPwAAAAAAAOA/AAAAAAAA4D8AAAAAAADgPwAAAAAAAOA/AAAAAAAA4D8CAAAAjAAAAAAAAAAAAAAAu+DjDP///wgAAAAAAAAAAAAAAAAAAAAAAAAAAAAAAAAAAAAAZAAAAAEAAABAAAAAAAAAAAAAAAAAAAAAAAAAAAAAAAAAAAAAAAAAAAAAAAAAAAAAAAAAAAAAAAAAAAAAAAAAAAAAAAAAAAAAAAAAAAAAAAAAAAAAAAAAAAAAAAAAAAAAFAAAADwAAAAAAAAAAAAAAAAAAAkUAAAAAQAAABQAAAAUAAAAFAAAAAEAAAAAAAAAZAAAAGQAAAAAAAAAZAAAAGQAAAAVAAAAYAAAAAAAAAAAAAAADwAAACADAAAAAAAAAAAAAAEAAACgMgAAVgcAAKr4//8BAAAAf39/AAEAAABkAAAAAAAAABQAAABAHwAAAAAAACYAAAAAAAAAwOD//wAAAAAmAAAAZAAAABYAAABMAAAAAAAAAAAAAAAEAAAAAAAAAAEAAACAgIAKAAAAACgAAAAoAAAAZAAAAGQAAAAAAAAAzMzMAAAAAABQAAAAUAAAAGQAAABkAAAAAAAAABcAAAAUAAAAAAAAAAAAAAD/fwAA/38AAAAAAAAJAAAABAAAAAAAAAAMAAAAEAAAAAAAAAAAAAAAAAAAAAAAAAAeAAAAaAAAAAAAAAAAAAAAAAAAAAAAAAAAAAAAECcAABAnAAAAAAAAAAAAAAAAAAAAAAAAAAAAAAAAAAAAAAAAAAAAABQAAAAAAAAAwMD/AAAAAABkAAAAMgAAAAAAAABkAAAAAAAAAH9/fwAKAAAAHwAAAFQAAAAAAAAFAAAAAQAAAAAAAAAAAAAAAAAAAAAAAAAAAAAAAAAAAAAAAAAAAAAAAn9/fwAAAAADzMzMAMDA/wB/f38AAAAAAAAAAAAAAAAAAAAAAAAAAAAhAAAAGAAAABQAAAA4EwAAGycAAAglAABZKQAAEAAAACYAAAAIAAAAAAAAAAAAAAA="/>
               </a:ext>
             </a:extLst>
           </p:cNvSpPr>
@@ -2720,7 +2721,7 @@
             <a:spLocks noGrp="1" noChangeArrowheads="1"/>
             <a:extLst>
               <a:ext uri="smNativeData">
-                <pr:smNativeData xmlns:pr="smNativeData" val="SMDATA_13_Zg2zYxMAAAAlAAAAZAAAAA8BAAAAkAAAAEgAAACQAAAASAAAAAAAAAABAAAAAAAAAAEAAABQAAAAAAAAAAAA4D8AAAAAAADgPwAAAAAAAOA/AAAAAAAA4D8AAAAAAADgPwAAAAAAAOA/AAAAAAAA4D8AAAAAAADgPwAAAAAAAOA/AAAAAAAA4D8CAAAAjAAAAAAAAAAAAAAAu+DjDP///wgAAAAAAAAAAAAAAAAAAAAAAAAAAAAAAAAAAAAAZAAAAAEAAABAAAAAAAAAAAAAAAAAAAAAAAAAAAAAAAAAAAAAAAAAAAAAAAAAAAAAAAAAAAAAAAAAAAAAAAAAAAAAAAAAAAAAAAAAAAAAAAAAAAAAAAAAAAAAAAAAAAAAFAAAADwAAAAAAAAAAAAAAAAAAAkUAAAAAQAAABQAAAAUAAAAFAAAAAEAAAAAAAAAZAAAAGQAAAAAAAAAZAAAAGQAAAAVAAAAYAAAAAAAAAAAAAAADwAAACADAAAAAAAAAAAAAAEAAACgMgAAVgcAAKr4//8BAAAAf39/AAEAAABkAAAAAAAAABQAAABAHwAAAAAAACYAAAAAAAAAwOD//wAAAAAmAAAAZAAAABYAAABMAAAAAAAAAAAAAAAEAAAAAAAAAAEAAACAgIAKAAAAACgAAAAoAAAAZAAAAGQAAAAAAAAAzMzMAAAAAABQAAAAUAAAAGQAAABkAAAAAAAAABcAAAAUAAAAAAAAAAAAAAD/fwAA/38AAAAAAAAJAAAABAAAAAAAAAAMAAAAEAAAAAAAAAAAAAAAAAAAAAAAAAAeAAAAaAAAAAAAAAAAAAAAAAAAAAAAAAAAAAAAECcAABAnAAAAAAAAAAAAAAAAAAAAAAAAAAAAAAAAAAAAAAAAAAAAABQAAAAAAAAAwMD/AAAAAABkAAAAMgAAAAAAAABkAAAAAAAAAH9/fwAKAAAAHwAAAFQAAAAAAAAFAAAAAQAAAAAAAAAAAAAAAAAAAAAAAAAAAAAAAAAAAAAAAAAAAAAAAn9/fwAAAAADzMzMAMDA/wB/f38AAAAAAAAAAAAAAAAAAAAAAAAAAAAhAAAAGAAAABQAAABQKAAAGycAAHA1AABZKQAAEAAAACYAAAAIAAAAAAAAAAAAAAA="/>
+                <pr:smNativeData xmlns:pr="smNativeData" val="SMDATA_13_mZ/BYxMAAAAlAAAAZAAAAA8BAAAAkAAAAEgAAACQAAAASAAAAAAAAAABAAAAAAAAAAEAAABQAAAAAAAAAAAA4D8AAAAAAADgPwAAAAAAAOA/AAAAAAAA4D8AAAAAAADgPwAAAAAAAOA/AAAAAAAA4D8AAAAAAADgPwAAAAAAAOA/AAAAAAAA4D8CAAAAjAAAAAAAAAAAAAAAu+DjDP///wgAAAAAAAAAAAAAAAAAAAAAAAAAAAAAAAAAAAAAZAAAAAEAAABAAAAAAAAAAAAAAAAAAAAAAAAAAAAAAAAAAAAAAAAAAAAAAAAAAAAAAAAAAAAAAAAAAAAAAAAAAAAAAAAAAAAAAAAAAAAAAAAAAAAAAAAAAAAAAAAAAAAAFAAAADwAAAAAAAAAAAAAAAAAAAkUAAAAAQAAABQAAAAUAAAAFAAAAAEAAAAAAAAAZAAAAGQAAAAAAAAAZAAAAGQAAAAVAAAAYAAAAAAAAAAAAAAADwAAACADAAAAAAAAAAAAAAEAAACgMgAAVgcAAKr4//8BAAAAf39/AAEAAABkAAAAAAAAABQAAABAHwAAAAAAACYAAAAAAAAAwOD//wAAAAAmAAAAZAAAABYAAABMAAAAAAAAAAAAAAAEAAAAAAAAAAEAAACAgIAKAAAAACgAAAAoAAAAZAAAAGQAAAAAAAAAzMzMAAAAAABQAAAAUAAAAGQAAABkAAAAAAAAABcAAAAUAAAAAAAAAAAAAAD/fwAA/38AAAAAAAAJAAAABAAAAAAAAAAMAAAAEAAAAAAAAAAAAAAAAAAAAAAAAAAeAAAAaAAAAAAAAAAAAAAAAAAAAAAAAAAAAAAAECcAABAnAAAAAAAAAAAAAAAAAAAAAAAAAAAAAAAAAAAAAAAAAAAAABQAAAAAAAAAwMD/AAAAAABkAAAAMgAAAAAAAABkAAAAAAAAAH9/fwAKAAAAHwAAAFQAAAAAAAAFAAAAAQAAAAAAAAAAAAAAAAAAAAAAAAAAAAAAAAAAAAAAAAAAAAAAAn9/fwAAAAADzMzMAMDA/wB/f38AAAAAAAAAAAAAAAAAAAAAAAAAAAAhAAAAGAAAABQAAABQKAAAGycAAHA1AABZKQAAEAAAACYAAAAIAAAAAAAAAAAAAAA="/>
               </a:ext>
             </a:extLst>
           </p:cNvSpPr>
@@ -2734,7 +2735,7 @@
           <a:lstStyle/>
           <a:p>
             <a:pPr/>
-            <a:fld id="{03A9DB9A-D4EE-FC2D-A011-2278955F5677}" type="slidenum">
+            <a:fld id="{33B5894F-01DE-E07F-900D-F72AC74366A2}" type="slidenum">
               <a:t/>
             </a:fld>
           </a:p>
@@ -2780,7 +2781,7 @@
             <a:spLocks noGrp="1" noChangeArrowheads="1"/>
             <a:extLst>
               <a:ext uri="smNativeData">
-                <pr:smNativeData xmlns:pr="smNativeData" val="SMDATA_13_Zg2zYxMAAAAlAAAAZAAAAA8BAAAAkAAAAEgAAACQAAAASAAAAAAAAAABAAAAAAAAAAEAAABQAAAAAAAAAAAA4D8AAAAAAADgPwAAAAAAAOA/AAAAAAAA4D8AAAAAAADgPwAAAAAAAOA/AAAAAAAA4D8AAAAAAADgPwAAAAAAAOA/AAAAAAAA4D8CAAAAjAAAAAAAAAAAAAAAu+DjDP///wgAAAAAAAAAAAAAAAAAAAAAAAAAAAAAAAAAAAAAZAAAAAEAAABAAAAAAAAAAAAAAAAAAAAAAAAAAAAAAAAAAAAAAAAAAAAAAAAAAAAAAAAAAAAAAAAAAAAAAAAAAAAAAAAAAAAAAAAAAAAAAAAAAAAAAAAAAAAAAAAAAAAAFAAAADwAAAAAAAAAAAAAAAAAAAkUAAAAAQAAABQAAAAUAAAAFAAAAAEAAAAAAAAAZAAAAGQAAAAAAAAAZAAAAGQAAAAVAAAAYAAAAAAAAAAAAAAADwAAACADAAAAAAAAAAAAAAEAAACgMgAAVgcAAKr4//8BAAAAf39/AAEAAABkAAAAAAAAABQAAABAHwAAAAAAACYAAAAAAAAAwOD//wAAAAAmAAAAZAAAABYAAABMAAAAAAAAAAAAAAAEAAAAAAAAAAEAAACAgIAKAAAAACgAAAAoAAAAZAAAAGQAAAAAAAAAzMzMAAAAAABQAAAAUAAAAGQAAABkAAAAAAAAABcAAAAUAAAAAAAAAAAAAAD/fwAA/38AAAAAAAAJAAAABAAAAAAAAAAMAAAAEAAAAAAAAAAAAAAAAAAAAAAAAAAeAAAAaAAAAAAAAAAAAAAAAAAAAAAAAAAAAAAAECcAABAnAAAAAAAAAAAAAAAAAAAAAAAAAAAAAAAAAAAAAAAAAAAAABQAAAAAAAAAwMD/AAAAAABkAAAAMgAAAAAAAABkAAAAAAAAAH9/fwAKAAAAHwAAAFQAAAAAAAAFAAAAAQAAAAAAAAAAAAAAAAAAAAAAAAAAAAAAAAAAAAAAAAAAAAAAAn9/fwAAAAADzMzMAMDA/wB/f38AAAAAAAAAAAAAAAAAAAAAAAAAAAAhAAAAGAAAABQAAADQAgAAsAEAAHA1AAC4CAAAEAAAACYAAAAIAAAA//////////8="/>
+                <pr:smNativeData xmlns:pr="smNativeData" val="SMDATA_13_mZ/BYxMAAAAlAAAAZAAAAA8BAAAAkAAAAEgAAACQAAAASAAAAAAAAAABAAAAAAAAAAEAAABQAAAAAAAAAAAA4D8AAAAAAADgPwAAAAAAAOA/AAAAAAAA4D8AAAAAAADgPwAAAAAAAOA/AAAAAAAA4D8AAAAAAADgPwAAAAAAAOA/AAAAAAAA4D8CAAAAjAAAAAAAAAAAAAAAu+DjDP///wgAAAAAAAAAAAAAAAAAAAAAAAAAAAAAAAAAAAAAZAAAAAEAAABAAAAAAAAAAAAAAAAAAAAAAAAAAAAAAAAAAAAAAAAAAAAAAAAAAAAAAAAAAAAAAAAAAAAAAAAAAAAAAAAAAAAAAAAAAAAAAAAAAAAAAAAAAAAAAAAAAAAAFAAAADwAAAAAAAAAAAAAAAAAAAkUAAAAAQAAABQAAAAUAAAAFAAAAAEAAAAAAAAAZAAAAGQAAAAAAAAAZAAAAGQAAAAVAAAAYAAAAAAAAAAAAAAADwAAACADAAAAAAAAAAAAAAEAAACgMgAAVgcAAKr4//8BAAAAf39/AAEAAABkAAAAAAAAABQAAABAHwAAAAAAACYAAAAAAAAAwOD//wAAAAAmAAAAZAAAABYAAABMAAAAAAAAAAAAAAAEAAAAAAAAAAEAAACAgIAKAAAAACgAAAAoAAAAZAAAAGQAAAAAAAAAzMzMAAAAAABQAAAAUAAAAGQAAABkAAAAAAAAABcAAAAUAAAAAAAAAAAAAAD/fwAA/38AAAAAAAAJAAAABAAAAAAAAAAMAAAAEAAAAAAAAAAAAAAAAAAAAAAAAAAeAAAAaAAAAAAAAAAAAAAAAAAAAAAAAAAAAAAAECcAABAnAAAAAAAAAAAAAAAAAAAAAAAAAAAAAAAAAAAAAAAAAAAAABQAAAAAAAAAwMD/AAAAAABkAAAAMgAAAAAAAABkAAAAAAAAAH9/fwAKAAAAHwAAAFQAAAAAAAAFAAAAAQAAAAAAAAAAAAAAAAAAAAAAAAAAAAAAAAAAAAAAAAAAAAAAAn9/fwAAAAADzMzMAMDA/wB/f38AAAAAAAAAAAAAAAAAAAAAAAAAAAAhAAAAGAAAABQAAADQAgAAsAEAAHA1AAC4CAAAEAAAACYAAAAIAAAA//////////8="/>
               </a:ext>
             </a:extLst>
           </p:cNvSpPr>
@@ -2824,7 +2825,7 @@
             <a:spLocks noGrp="1" noChangeArrowheads="1"/>
             <a:extLst>
               <a:ext uri="smNativeData">
-                <pr:smNativeData xmlns:pr="smNativeData" val="SMDATA_13_Zg2zYxMAAAAlAAAAZAAAAA8BAAAAkAAAAEgAAACQAAAASAAAAAAAAAAAAAAAAAAAAAEAAABQAAAAAAAAAAAA4D8AAAAAAADgPwAAAAAAAOA/AAAAAAAA4D8AAAAAAADgPwAAAAAAAOA/AAAAAAAA4D8AAAAAAADgPwAAAAAAAOA/AAAAAAAA4D8CAAAAjAAAAAAAAAAAAAAAu+DjDP///wgAAAAAAAAAAAAAAAAAAAAAAAAAAAAAAAAAAAAAZAAAAAEAAABAAAAAAAAAAAAAAAAAAAAAAAAAAAAAAAAAAAAAAAAAAAAAAAAAAAAAAAAAAAAAAAAAAAAAAAAAAAAAAAAAAAAAAAAAAAAAAAAAAAAAAAAAAAAAAAAAAAAAFAAAADwAAAAAAAAAAAAAAAAAAAkUAAAAAQAAABQAAAAUAAAAFAAAAAEAAAAAAAAAZAAAAGQAAAAAAAAAZAAAAGQAAAAVAAAAYAAAAAAAAAAAAAAADwAAACADAAAAAAAAAAAAAAEAAACgMgAAVgcAAKr4//8BAAAAf39/AAEAAABkAAAAAAAAABQAAABAHwAAAAAAACYAAAAAAAAAwOD//wAAAAAmAAAAZAAAABYAAABMAAAAAAAAAAAAAAAEAAAAAAAAAAEAAACAgIAKAAAAACgAAAAoAAAAZAAAAGQAAAAAAAAAzMzMAAAAAABQAAAAUAAAAGQAAABkAAAAAAAAABcAAAAUAAAAAAAAAAAAAAD/fwAA/38AAAAAAAAJAAAABAAAAAAAAAAMAAAAEAAAAAAAAAAAAAAAAAAAAAAAAAAeAAAAaAAAAAAAAAAAAAAAAAAAAAAAAAAAAAAAECcAABAnAAAAAAAAAAAAAAAAAAAAAAAAAAAAAAAAAAAAAAAAAAAAABQAAAAAAAAAwMD/AAAAAABkAAAAMgAAAAAAAABkAAAAAAAAAH9/fwAKAAAAHwAAAFQAAAAAAAAFAAAAAQAAAAAAAAAAAAAAAAAAAAAAAAAAAAAAAAAAAAAAAAAAAAAAAn9/fwAAAAADzMzMAMDA/wB/f38AAAAAAAAAAAAAAAAAAAAAAAAAAAAhAAAAGAAAABQAAADQAgAA2AkAAHA1AACwJQAAEAAAACYAAAAIAAAA//////////8="/>
+                <pr:smNativeData xmlns:pr="smNativeData" val="SMDATA_13_mZ/BYxMAAAAlAAAAZAAAAA8BAAAAkAAAAEgAAACQAAAASAAAAAAAAAAAAAAAAAAAAAEAAABQAAAAAAAAAAAA4D8AAAAAAADgPwAAAAAAAOA/AAAAAAAA4D8AAAAAAADgPwAAAAAAAOA/AAAAAAAA4D8AAAAAAADgPwAAAAAAAOA/AAAAAAAA4D8CAAAAjAAAAAAAAAAAAAAAu+DjDP///wgAAAAAAAAAAAAAAAAAAAAAAAAAAAAAAAAAAAAAZAAAAAEAAABAAAAAAAAAAAAAAAAAAAAAAAAAAAAAAAAAAAAAAAAAAAAAAAAAAAAAAAAAAAAAAAAAAAAAAAAAAAAAAAAAAAAAAAAAAAAAAAAAAAAAAAAAAAAAAAAAAAAAFAAAADwAAAAAAAAAAAAAAAAAAAkUAAAAAQAAABQAAAAUAAAAFAAAAAEAAAAAAAAAZAAAAGQAAAAAAAAAZAAAAGQAAAAVAAAAYAAAAAAAAAAAAAAADwAAACADAAAAAAAAAAAAAAEAAACgMgAAVgcAAKr4//8BAAAAf39/AAEAAABkAAAAAAAAABQAAABAHwAAAAAAACYAAAAAAAAAwOD//wAAAAAmAAAAZAAAABYAAABMAAAAAAAAAAAAAAAEAAAAAAAAAAEAAACAgIAKAAAAACgAAAAoAAAAZAAAAGQAAAAAAAAAzMzMAAAAAABQAAAAUAAAAGQAAABkAAAAAAAAABcAAAAUAAAAAAAAAAAAAAD/fwAA/38AAAAAAAAJAAAABAAAAAAAAAAMAAAAEAAAAAAAAAAAAAAAAAAAAAAAAAAeAAAAaAAAAAAAAAAAAAAAAAAAAAAAAAAAAAAAECcAABAnAAAAAAAAAAAAAAAAAAAAAAAAAAAAAAAAAAAAAAAAAAAAABQAAAAAAAAAwMD/AAAAAABkAAAAMgAAAAAAAABkAAAAAAAAAH9/fwAKAAAAHwAAAFQAAAAAAAAFAAAAAQAAAAAAAAAAAAAAAAAAAAAAAAAAAAAAAAAAAAAAAAAAAAAAAn9/fwAAAAADzMzMAMDA/wB/f38AAAAAAAAAAAAAAAAAAAAAAAAAAAAhAAAAGAAAABQAAADQAgAA2AkAAHA1AACwJQAAEAAAACYAAAAIAAAA//////////8="/>
               </a:ext>
             </a:extLst>
           </p:cNvSpPr>
@@ -2892,7 +2893,7 @@
             <a:spLocks noGrp="1" noChangeArrowheads="1"/>
             <a:extLst>
               <a:ext uri="smNativeData">
-                <pr:smNativeData xmlns:pr="smNativeData" val="SMDATA_13_Zg2zYxMAAAAlAAAAZAAAAA8BAAAAkAAAAEgAAACQAAAASAAAAAAAAAABAAAAAAAAAAEAAABQAAAAAAAAAAAA4D8AAAAAAADgPwAAAAAAAOA/AAAAAAAA4D8AAAAAAADgPwAAAAAAAOA/AAAAAAAA4D8AAAAAAADgPwAAAAAAAOA/AAAAAAAA4D8CAAAAjAAAAAAAAAAAAAAAu+DjDP///wgAAAAAAAAAAAAAAAAAAAAAAAAAAAAAAAAAAAAAZAAAAAEAAABAAAAAAAAAAAAAAAAAAAAAAAAAAAAAAAAAAAAAAAAAAAAAAAAAAAAAAAAAAAAAAAAAAAAAAAAAAAAAAAAAAAAAAAAAAAAAAAAAAAAAAAAAAAAAAAAAAAAAFAAAADwAAAAAAAAAAAAAAAAAAAkUAAAAAQAAABQAAAAUAAAAFAAAAAEAAAAAAAAAZAAAAGQAAAAAAAAAZAAAAGQAAAAVAAAAYAAAAAAAAAAAAAAADwAAACADAAAAAAAAAAAAAAEAAACgMgAAVgcAAKr4//8BAAAAf39/AAEAAABkAAAAAAAAABQAAABAHwAAAAAAACYAAAAAAAAAwOD//wAAAAAmAAAAZAAAABYAAABMAAAAAAAAAAAAAAAEAAAAAAAAAAEAAACAgIAKAAAAACgAAAAoAAAAZAAAAGQAAAAAAAAAzMzMAAAAAABQAAAAUAAAAGQAAABkAAAAAAAAABcAAAAUAAAAAAAAAAAAAAD/fwAA/38AAAAAAAAJAAAABAAAAAAAAAAMAAAAEAAAAAAAAAAAAAAAAAAAAAAAAAAeAAAAaAAAAAAAAAAAAAAAAAAAAAAAAAAAAAAAECcAABAnAAAAAAAAAAAAAAAAAAAAAAAAAAAAAAAAAAAAAAAAAAAAABQAAAAAAAAAwMD/AAAAAABkAAAAMgAAAAAAAABkAAAAAAAAAH9/fwAKAAAAHwAAAFQAAAAAAAAFAAAAAQAAAAAAAAAAAAAAAAAAAAAAAAAAAAAAAAAAAAAAAAAAAAAAAn9/fwAAAAADzMzMAMDA/wB/f38AAAAAAAAAAAAAAAAAAAAAAAAAAAAhAAAAGAAAABQAAADQAgAAGycAAPAPAABZKQAAEAAAACYAAAAIAAAA//////////8="/>
+                <pr:smNativeData xmlns:pr="smNativeData" val="SMDATA_13_mZ/BYxMAAAAlAAAAZAAAAA8BAAAAkAAAAEgAAACQAAAASAAAAAAAAAABAAAAAAAAAAEAAABQAAAAAAAAAAAA4D8AAAAAAADgPwAAAAAAAOA/AAAAAAAA4D8AAAAAAADgPwAAAAAAAOA/AAAAAAAA4D8AAAAAAADgPwAAAAAAAOA/AAAAAAAA4D8CAAAAjAAAAAAAAAAAAAAAu+DjDP///wgAAAAAAAAAAAAAAAAAAAAAAAAAAAAAAAAAAAAAZAAAAAEAAABAAAAAAAAAAAAAAAAAAAAAAAAAAAAAAAAAAAAAAAAAAAAAAAAAAAAAAAAAAAAAAAAAAAAAAAAAAAAAAAAAAAAAAAAAAAAAAAAAAAAAAAAAAAAAAAAAAAAAFAAAADwAAAAAAAAAAAAAAAAAAAkUAAAAAQAAABQAAAAUAAAAFAAAAAEAAAAAAAAAZAAAAGQAAAAAAAAAZAAAAGQAAAAVAAAAYAAAAAAAAAAAAAAADwAAACADAAAAAAAAAAAAAAEAAACgMgAAVgcAAKr4//8BAAAAf39/AAEAAABkAAAAAAAAABQAAABAHwAAAAAAACYAAAAAAAAAwOD//wAAAAAmAAAAZAAAABYAAABMAAAAAAAAAAAAAAAEAAAAAAAAAAEAAACAgIAKAAAAACgAAAAoAAAAZAAAAGQAAAAAAAAAzMzMAAAAAABQAAAAUAAAAGQAAABkAAAAAAAAABcAAAAUAAAAAAAAAAAAAAD/fwAA/38AAAAAAAAJAAAABAAAAAAAAAAMAAAAEAAAAAAAAAAAAAAAAAAAAAAAAAAeAAAAaAAAAAAAAAAAAAAAAAAAAAAAAAAAAAAAECcAABAnAAAAAAAAAAAAAAAAAAAAAAAAAAAAAAAAAAAAAAAAAAAAABQAAAAAAAAAwMD/AAAAAABkAAAAMgAAAAAAAABkAAAAAAAAAH9/fwAKAAAAHwAAAFQAAAAAAAAFAAAAAQAAAAAAAAAAAAAAAAAAAAAAAAAAAAAAAAAAAAAAAAAAAAAAAn9/fwAAAAADzMzMAMDA/wB/f38AAAAAAAAAAAAAAAAAAAAAAAAAAAAhAAAAGAAAABQAAADQAgAAGycAAPAPAABZKQAAEAAAACYAAAAIAAAA//////////8="/>
               </a:ext>
             </a:extLst>
           </p:cNvSpPr>
@@ -2927,7 +2928,7 @@
           </a:lstStyle>
           <a:p>
             <a:pPr/>
-            <a:fld id="{03A9A60B-45EE-FC50-A011-B305E85F56E6}" type="datetime1">
+            <a:fld id="{33B5A0F5-BBDE-E056-900D-4D03EE436618}" type="datetime1">
               <a:t/>
             </a:fld>
           </a:p>
@@ -2940,7 +2941,7 @@
             <a:spLocks noGrp="1" noChangeArrowheads="1"/>
             <a:extLst>
               <a:ext uri="smNativeData">
-                <pr:smNativeData xmlns:pr="smNativeData" val="SMDATA_13_Zg2zYxMAAAAlAAAAZAAAAA8BAAAAkAAAAEgAAACQAAAASAAAAAAAAAABAAAAAAAAAAEAAABQAAAAAAAAAAAA4D8AAAAAAADgPwAAAAAAAOA/AAAAAAAA4D8AAAAAAADgPwAAAAAAAOA/AAAAAAAA4D8AAAAAAADgPwAAAAAAAOA/AAAAAAAA4D8CAAAAjAAAAAAAAAAAAAAAu+DjDP///wgAAAAAAAAAAAAAAAAAAAAAAAAAAAAAAAAAAAAAZAAAAAEAAABAAAAAAAAAAAAAAAAAAAAAAAAAAAAAAAAAAAAAAAAAAAAAAAAAAAAAAAAAAAAAAAAAAAAAAAAAAAAAAAAAAAAAAAAAAAAAAAAAAAAAAAAAAAAAAAAAAAAAFAAAADwAAAAAAAAAAAAAAAAAAAkUAAAAAQAAABQAAAAUAAAAFAAAAAEAAAAAAAAAZAAAAGQAAAAAAAAAZAAAAGQAAAAVAAAAYAAAAAAAAAAAAAAADwAAACADAAAAAAAAAAAAAAEAAACgMgAAVgcAAKr4//8BAAAAf39/AAEAAABkAAAAAAAAABQAAABAHwAAAAAAACYAAAAAAAAAwOD//wAAAAAmAAAAZAAAABYAAABMAAAAAAAAAAAAAAAEAAAAAAAAAAEAAACAgIAKAAAAACgAAAAoAAAAZAAAAGQAAAAAAAAAzMzMAAAAAABQAAAAUAAAAGQAAABkAAAAAAAAABcAAAAUAAAAAAAAAAAAAAD/fwAA/38AAAAAAAAJAAAABAAAAAAAAAAMAAAAEAAAAAAAAAAAAAAAAAAAAAAAAAAeAAAAaAAAAAAAAAAAAAAAAAAAAAAAAAAAAAAAECcAABAnAAAAAAAAAAAAAAAAAAAAAAAAAAAAAAAAAAAAAAAAAAAAABQAAAAAAAAAwMD/AAAAAABkAAAAMgAAAAAAAABkAAAAAAAAAH9/fwAKAAAAHwAAAFQAAAAAAAAFAAAAAQAAAAAAAAAAAAAAAAAAAAAAAAAAAAAAAAAAAAAAAAAAAAAAAn9/fwAAAAADzMzMAMDA/wB/f38AAAAAAAAAAAAAAAAAAAAAAAAAAAAhAAAAGAAAABQAAAA4EwAAGycAAAglAABZKQAAEAAAACYAAAAIAAAA//////////8="/>
+                <pr:smNativeData xmlns:pr="smNativeData" val="SMDATA_13_mZ/BYxMAAAAlAAAAZAAAAA8BAAAAkAAAAEgAAACQAAAASAAAAAAAAAABAAAAAAAAAAEAAABQAAAAAAAAAAAA4D8AAAAAAADgPwAAAAAAAOA/AAAAAAAA4D8AAAAAAADgPwAAAAAAAOA/AAAAAAAA4D8AAAAAAADgPwAAAAAAAOA/AAAAAAAA4D8CAAAAjAAAAAAAAAAAAAAAu+DjDP///wgAAAAAAAAAAAAAAAAAAAAAAAAAAAAAAAAAAAAAZAAAAAEAAABAAAAAAAAAAAAAAAAAAAAAAAAAAAAAAAAAAAAAAAAAAAAAAAAAAAAAAAAAAAAAAAAAAAAAAAAAAAAAAAAAAAAAAAAAAAAAAAAAAAAAAAAAAAAAAAAAAAAAFAAAADwAAAAAAAAAAAAAAAAAAAkUAAAAAQAAABQAAAAUAAAAFAAAAAEAAAAAAAAAZAAAAGQAAAAAAAAAZAAAAGQAAAAVAAAAYAAAAAAAAAAAAAAADwAAACADAAAAAAAAAAAAAAEAAACgMgAAVgcAAKr4//8BAAAAf39/AAEAAABkAAAAAAAAABQAAABAHwAAAAAAACYAAAAAAAAAwOD//wAAAAAmAAAAZAAAABYAAABMAAAAAAAAAAAAAAAEAAAAAAAAAAEAAACAgIAKAAAAACgAAAAoAAAAZAAAAGQAAAAAAAAAzMzMAAAAAABQAAAAUAAAAGQAAABkAAAAAAAAABcAAAAUAAAAAAAAAAAAAAD/fwAA/38AAAAAAAAJAAAABAAAAAAAAAAMAAAAEAAAAAAAAAAAAAAAAAAAAAAAAAAeAAAAaAAAAAAAAAAAAAAAAAAAAAAAAAAAAAAAECcAABAnAAAAAAAAAAAAAAAAAAAAAAAAAAAAAAAAAAAAAAAAAAAAABQAAAAAAAAAwMD/AAAAAABkAAAAMgAAAAAAAABkAAAAAAAAAH9/fwAKAAAAHwAAAFQAAAAAAAAFAAAAAQAAAAAAAAAAAAAAAAAAAAAAAAAAAAAAAAAAAAAAAAAAAAAAAn9/fwAAAAADzMzMAMDA/wB/f38AAAAAAAAAAAAAAAAAAAAAAAAAAAAhAAAAGAAAABQAAAA4EwAAGycAAAglAABZKQAAEAAAACYAAAAIAAAA//////////8="/>
               </a:ext>
             </a:extLst>
           </p:cNvSpPr>
@@ -2985,7 +2986,7 @@
             <a:spLocks noGrp="1" noChangeArrowheads="1"/>
             <a:extLst>
               <a:ext uri="smNativeData">
-                <pr:smNativeData xmlns:pr="smNativeData" val="SMDATA_13_Zg2zYxMAAAAlAAAAZAAAAA8BAAAAkAAAAEgAAACQAAAASAAAAAAAAAABAAAAAAAAAAEAAABQAAAAAAAAAAAA4D8AAAAAAADgPwAAAAAAAOA/AAAAAAAA4D8AAAAAAADgPwAAAAAAAOA/AAAAAAAA4D8AAAAAAADgPwAAAAAAAOA/AAAAAAAA4D8CAAAAjAAAAAAAAAAAAAAAu+DjDP///wgAAAAAAAAAAAAAAAAAAAAAAAAAAAAAAAAAAAAAZAAAAAEAAABAAAAAAAAAAAAAAAAAAAAAAAAAAAAAAAAAAAAAAAAAAAAAAAAAAAAAAAAAAAAAAAAAAAAAAAAAAAAAAAAAAAAAAAAAAAAAAAAAAAAAAAAAAAAAAAAAAAAAFAAAADwAAAAAAAAAAAAAAAAAAAkUAAAAAQAAABQAAAAUAAAAFAAAAAEAAAAAAAAAZAAAAGQAAAAAAAAAZAAAAGQAAAAVAAAAYAAAAAAAAAAAAAAADwAAACADAAAAAAAAAAAAAAEAAACgMgAAVgcAAKr4//8BAAAAf39/AAEAAABkAAAAAAAAABQAAABAHwAAAAAAACYAAAAAAAAAwOD//wAAAAAmAAAAZAAAABYAAABMAAAAAAAAAAAAAAAEAAAAAAAAAAEAAACAgIAKAAAAACgAAAAoAAAAZAAAAGQAAAAAAAAAzMzMAAAAAABQAAAAUAAAAGQAAABkAAAAAAAAABcAAAAUAAAAAAAAAAAAAAD/fwAA/38AAAAAAAAJAAAABAAAAAAAAAAMAAAAEAAAAAAAAAAAAAAAAAAAAAAAAAAeAAAAaAAAAAAAAAAAAAAAAAAAAAAAAAAAAAAAECcAABAnAAAAAAAAAAAAAAAAAAAAAAAAAAAAAAAAAAAAAAAAAAAAABQAAAAAAAAAwMD/AAAAAABkAAAAMgAAAAAAAABkAAAAAAAAAH9/fwAKAAAAHwAAAFQAAAAAAAAFAAAAAQAAAAAAAAAAAAAAAAAAAAAAAAAAAAAAAAAAAAAAAAAAAAAAAn9/fwAAAAADzMzMAMDA/wB/f38AAAAAAAAAAAAAAAAAAAAAAAAAAAAhAAAAGAAAABQAAABQKAAAGycAAHA1AABZKQAAEAAAACYAAAAIAAAA//////////8="/>
+                <pr:smNativeData xmlns:pr="smNativeData" val="SMDATA_13_mZ/BYxMAAAAlAAAAZAAAAA8BAAAAkAAAAEgAAACQAAAASAAAAAAAAAABAAAAAAAAAAEAAABQAAAAAAAAAAAA4D8AAAAAAADgPwAAAAAAAOA/AAAAAAAA4D8AAAAAAADgPwAAAAAAAOA/AAAAAAAA4D8AAAAAAADgPwAAAAAAAOA/AAAAAAAA4D8CAAAAjAAAAAAAAAAAAAAAu+DjDP///wgAAAAAAAAAAAAAAAAAAAAAAAAAAAAAAAAAAAAAZAAAAAEAAABAAAAAAAAAAAAAAAAAAAAAAAAAAAAAAAAAAAAAAAAAAAAAAAAAAAAAAAAAAAAAAAAAAAAAAAAAAAAAAAAAAAAAAAAAAAAAAAAAAAAAAAAAAAAAAAAAAAAAFAAAADwAAAAAAAAAAAAAAAAAAAkUAAAAAQAAABQAAAAUAAAAFAAAAAEAAAAAAAAAZAAAAGQAAAAAAAAAZAAAAGQAAAAVAAAAYAAAAAAAAAAAAAAADwAAACADAAAAAAAAAAAAAAEAAACgMgAAVgcAAKr4//8BAAAAf39/AAEAAABkAAAAAAAAABQAAABAHwAAAAAAACYAAAAAAAAAwOD//wAAAAAmAAAAZAAAABYAAABMAAAAAAAAAAAAAAAEAAAAAAAAAAEAAACAgIAKAAAAACgAAAAoAAAAZAAAAGQAAAAAAAAAzMzMAAAAAABQAAAAUAAAAGQAAABkAAAAAAAAABcAAAAUAAAAAAAAAAAAAAD/fwAA/38AAAAAAAAJAAAABAAAAAAAAAAMAAAAEAAAAAAAAAAAAAAAAAAAAAAAAAAeAAAAaAAAAAAAAAAAAAAAAAAAAAAAAAAAAAAAECcAABAnAAAAAAAAAAAAAAAAAAAAAAAAAAAAAAAAAAAAAAAAAAAAABQAAAAAAAAAwMD/AAAAAABkAAAAMgAAAAAAAABkAAAAAAAAAH9/fwAKAAAAHwAAAFQAAAAAAAAFAAAAAQAAAAAAAAAAAAAAAAAAAAAAAAAAAAAAAAAAAAAAAAAAAAAAAn9/fwAAAAADzMzMAMDA/wB/f38AAAAAAAAAAAAAAAAAAAAAAAAAAAAhAAAAGAAAABQAAABQKAAAGycAAHA1AABZKQAAEAAAACYAAAAIAAAA//////////8="/>
               </a:ext>
             </a:extLst>
           </p:cNvSpPr>
@@ -3020,7 +3021,7 @@
           </a:lstStyle>
           <a:p>
             <a:pPr/>
-            <a:fld id="{03A9B227-69EE-FC44-A011-9F11FC5F56CA}" type="slidenum">
+            <a:fld id="{33B58FA1-EFDE-E079-900D-192CC143664C}" type="slidenum">
               <a:t/>
             </a:fld>
           </a:p>
@@ -3698,7 +3699,7 @@
           <p:cNvSpPr>
             <a:extLst>
               <a:ext uri="smNativeData">
-                <pr:smNativeData xmlns:pr="smNativeData" val="SMDATA_13_Zg2zYxMAAAAlAAAAZAAAAA8BAAAAkAAAAEgAAACQAAAASAAAAAAAAAAAAAAAAAAAAAEAAABQAAAAAAAAAAAA4D8AAAAAAADgPwAAAAAAAOA/AAAAAAAA4D8AAAAAAADgPwAAAAAAAOA/AAAAAAAA4D8AAAAAAADgPwAAAAAAAOA/AAAAAAAA4D8CAAAAjAAAAAEAAAAAAAAAAAAACf///wgAAAAAAAAAAAAAAAAAAAAAAAAAAAAAAAAAAAAAZAAAAAEAAABAAAAAAAAAAAAAAAAAAAAAAAAAAAAAAAAAAAAAAAAAAAAAAAAAAAAAAAAAAAAAAAAAAAAAAAAAAAAAAAAAAAAAAAAAAAAAAAAAAAAAAAAAAAAAAAAAAAAAFAAAADwAAAABAAAAAAAAAAAAAAkUAAAAAQAAABQAAAAUAAAAFAAAAAEAAAAAAAAAZAAAAGQAAAAAAAAAZAAAAGQAAAAVAAAAYAAAAAAAAAAAAAAADwAAACADAAAAAAAAAAAAAAEAAACgMgAAVgcAAKr4//8BAAAAf39/AAEAAABkAAAAAAAAABQAAABAHwAAAAAAACYAAAAAAAAAwOD//wAAAAAmAAAAZAAAABYAAABMAAAAAAAAAAAAAAAEAAAAAAAAAAEAAACAgIAKAAAAACgAAAAoAAAAZAAAAGQAAAAAAAAAzMzMAAAAAABQAAAAUAAAAGQAAABkAAAAAAAAABcAAAAUAAAAAAAAAAAAAAD/fwAA/38AAAAAAAAJAAAABAAAAAAAAAAMAAAAEAAAAAAAAAAAAAAAAAAAAAAAAAAeAAAAaAAAAAAAAAAAAAAAAAAAAAAAAAAAAAAAECcAABAnAAAAAAAAAAAAAAAAAAAAAAAAAAAAAAAAAAAAAAAAAAAAABQAAAAAAAAAwMD/AAAAAABkAAAAMgAAAAAAAABkAAAAAAAAAH9/fwAKAAAAHwAAAFQAAAAAAAAC////AQAAAAAAAAAAAAAAAAAAAAAAAAAAAAAAAAAAAAAAAAAAAAAAAn9/fwCAgIADzMzMAMDA/wB/f38AAAAAAAAAAAAAAAAAAAAAAAAAAAAhAAAAGAAAABQAAABTAQAA4wAAANEqAADlDwAAEAAAACYAAAAIAAAA//////////8="/>
+                <pr:smNativeData xmlns:pr="smNativeData" val="SMDATA_13_mZ/BYxMAAAAlAAAAZAAAAA8BAAAAkAAAAEgAAACQAAAASAAAAAAAAAAAAAAAAAAAAAEAAABQAAAAAAAAAAAA4D8AAAAAAADgPwAAAAAAAOA/AAAAAAAA4D8AAAAAAADgPwAAAAAAAOA/AAAAAAAA4D8AAAAAAADgPwAAAAAAAOA/AAAAAAAA4D8CAAAAjAAAAAEAAAAAAAAAAAAACf///wgAAAAAAAAAAAAAAAAAAAAAAAAAAAAAAAAAAAAAZAAAAAEAAABAAAAAAAAAAAAAAAAAAAAAAAAAAAAAAAAAAAAAAAAAAAAAAAAAAAAAAAAAAAAAAAAAAAAAAAAAAAAAAAAAAAAAAAAAAAAAAAAAAAAAAAAAAAAAAAAAAAAAFAAAADwAAAABAAAAAAAAAAAAAAkUAAAAAQAAABQAAAAUAAAAFAAAAAEAAAAAAAAAZAAAAGQAAAAAAAAAZAAAAGQAAAAVAAAAYAAAAAAAAAAAAAAADwAAACADAAAAAAAAAAAAAAEAAACgMgAAVgcAAKr4//8BAAAAf39/AAEAAABkAAAAAAAAABQAAABAHwAAAAAAACYAAAAAAAAAwOD//wAAAAAmAAAAZAAAABYAAABMAAAAAAAAAAAAAAAEAAAAAAAAAAEAAACAgIAKAAAAACgAAAAoAAAAZAAAAGQAAAAAAAAAzMzMAAAAAABQAAAAUAAAAGQAAABkAAAAAAAAABcAAAAUAAAAAAAAAAAAAAD/fwAA/38AAAAAAAAJAAAABAAAAAAAAAAMAAAAEAAAAAAAAAAAAAAAAAAAAAAAAAAeAAAAaAAAAAAAAAAAAAAAAAAAAAAAAAAAAAAAECcAABAnAAAAAAAAAAAAAAAAAAAAAAAAAAAAAAAAAAAAAAAAAAAAABQAAAAAAAAAwMD/AAAAAABkAAAAMgAAAAAAAABkAAAAAAAAAH9/fwAKAAAAHwAAAFQAAAAAAAAC////AQAAAAAAAAAAAAAAAAAAAAAAAAAAAAAAAAAAAAAAAAAAAAAAAn9/fwCAgIADzMzMAMDA/wB/f38AAAAAAAAAAAAAAAAAAAAAAAAAAAAhAAAAGAAAABQAAABTAQAA4wAAANEqAADlDwAAEAAAACYAAAAIAAAA//////////8="/>
               </a:ext>
             </a:extLst>
           </p:cNvSpPr>
@@ -3733,7 +3734,7 @@
             <a:picLocks noChangeAspect="1"/>
             <a:extLst>
               <a:ext uri="smNativeData">
-                <pr:smNativeData xmlns:pr="smNativeData" val="SMDATA_15_Zg2zYxMAAAAlAAAAEQAAAC8BAAAAkAAAAEgAAACQAAAASAAAAAAAAAAAAAAAAAAAAAEAAABQAAAAAAAAAAAA4D8AAAAAAADgPwAAAAAAAOA/AAAAAAAA4D8AAAAAAADgPwAAAAAAAOA/AAAAAAAA4D8AAAAAAADgPwAAAAAAAOA/AAAAAAAA4D8CAAAAjAAAAAAAAAAAAAAAu+DjDP///wgAAAAAAAAAAAAAAAAAAAAAAAAAAAAAAAAAAAAAZAAAAAEAAABAAAAAAAAAAAAAAAAAAAAAAAAAAAAAAAAAAAAAAAAAAAAAAAAAAAAAAAAAAAAAAAAAAAAAAAAAAAAAAAAAAAAAAAAAAAAAAAAAAAAAAAAAAAAAAAAAAAAAFAAAADwAAAAAAAAAAAAAAAAAAAkUAAAAAQAAABQAAAAUAAAAFAAAAAEAAAAAAAAAZAAAAGQAAAAAAAAAZAAAAGQAAAAVAAAAYAAAAAAAAAAAAAAADwAAACADAAAAAAAAAAAAAAEAAACgMgAAVgcAAKr4//8BAAAAf39/AAEAAABkAAAAAAAAABQAAABAHwAAAAAAACYAAAAAAAAAwOD//wAAAAAmAAAAZAAAABYAAABMAAAAAAAAAAAAAAAEAAAAAAAAAAEAAACAgIAKAAAAACgAAAAoAAAAZAAAAGQAAAAAAAAAzMzMAAAAAABQAAAAUAAAAGQAAABkAAAAAAAAAAcAAAA4AAAAAAAAAAAAAAAAAAAA////AAAAAAAAAAAAAAAAAAAAAAAAAAAAAAAAAAAAAABkAAAAZAAAAAAAAAAjAAAABAAAAGQAAAAXAAAAFAAAAAAAAAAAAAAA/38AAP9/AAAAAAAACQAAAAQAAAAAAAAADAAAABAAAAAAAAAAAAAAAAAAAAAAAAAAHgAAAGgAAAAAAAAAAAAAAAAAAAAAAAAAAAAAABAnAAAQJwAAAAAAAAAAAAAAAAAAAAAAAAAAAAAAAAAAAAAAAAAAAAAUAAAAAAAAAMDA/wAAAAAAZAAAADIAAAAAAAAAZAAAAAAAAAB/f38ACgAAAB8AAABUAAAAu+DjBf///wEAAAAAAAAAAAAAAAAAAAAAAAAAAAAAAAAAAAAAAAAAAAAAAAJ/f38AgICAA8zMzADAwP8Af39/AAAAAAAAAAAAAAAAAP///wAAAAAAIQAAABgAAAAUAAAA3gsAAFUBAAAsIAAA5w4AABAAAAAmAAAACAAAAP//////////"/>
+                <pr:smNativeData xmlns:pr="smNativeData" val="SMDATA_15_mZ/BYxMAAAAlAAAAEQAAAC8BAAAAkAAAAEgAAACQAAAASAAAAAAAAAAAAAAAAAAAAAEAAABQAAAAAAAAAAAA4D8AAAAAAADgPwAAAAAAAOA/AAAAAAAA4D8AAAAAAADgPwAAAAAAAOA/AAAAAAAA4D8AAAAAAADgPwAAAAAAAOA/AAAAAAAA4D8CAAAAjAAAAAAAAAAAAAAAu+DjDP///wgAAAAAAAAAAAAAAAAAAAAAAAAAAAAAAAAAAAAAZAAAAAEAAABAAAAAAAAAAAAAAAAAAAAAAAAAAAAAAAAAAAAAAAAAAAAAAAAAAAAAAAAAAAAAAAAAAAAAAAAAAAAAAAAAAAAAAAAAAAAAAAAAAAAAAAAAAAAAAAAAAAAAFAAAADwAAAAAAAAAAAAAAAAAAAkUAAAAAQAAABQAAAAUAAAAFAAAAAEAAAAAAAAAZAAAAGQAAAAAAAAAZAAAAGQAAAAVAAAAYAAAAAAAAAAAAAAADwAAACADAAAAAAAAAAAAAAEAAACgMgAAVgcAAKr4//8BAAAAf39/AAEAAABkAAAAAAAAABQAAABAHwAAAAAAACYAAAAAAAAAwOD//wAAAAAmAAAAZAAAABYAAABMAAAAAAAAAAAAAAAEAAAAAAAAAAEAAACAgIAKAAAAACgAAAAoAAAAZAAAAGQAAAAAAAAAzMzMAAAAAABQAAAAUAAAAGQAAABkAAAAAAAAAAcAAAA4AAAAAAAAAAAAAAAAAAAA////AAAAAAAAAAAAAAAAAAAAAAAAAAAAAAAAAAAAAABkAAAAZAAAAAAAAAAjAAAABAAAAGQAAAAXAAAAFAAAAAAAAAAAAAAA/38AAP9/AAAAAAAACQAAAAQAAAAAAAAADAAAABAAAAAAAAAAAAAAAAAAAAAAAAAAHgAAAGgAAAAAAAAAAAAAAAAAAAAAAAAAAAAAABAnAAAQJwAAAAAAAAAAAAAAAAAAAAAAAAAAAAAAAAAAAAAAAAAAAAAUAAAAAAAAAMDA/wAAAAAAZAAAADIAAAAAAAAAZAAAAAAAAAB/f38ACgAAAB8AAABUAAAAu+DjBf///wEAAAAAAAAAAAAAAAAAAAAAAAAAAAAAAAAAAAAAAAAAAAAAAAJ/f38AgICAA8zMzADAwP8Af39/AAAAAAAAAAAAAAAAAP///wAAAAAAIQAAABgAAAAUAAAA3gsAAFUBAAAsIAAA5w4AABAAAAAmAAAACAAAAP//////////"/>
               </a:ext>
             </a:extLst>
           </p:cNvPicPr>
@@ -3767,7 +3768,7 @@
             <a:picLocks noChangeAspect="1"/>
             <a:extLst>
               <a:ext uri="smNativeData">
-                <pr:smNativeData xmlns:pr="smNativeData" val="SMDATA_15_Zg2zYxMAAAAlAAAAEQAAAC8BAAAAkAAAAEgAAACQAAAASAAAAAAAAAAAAAAAAAAAAAEAAABQAAAAAAAAAAAA4D8AAAAAAADgPwAAAAAAAOA/AAAAAAAA4D8AAAAAAADgPwAAAAAAAOA/AAAAAAAA4D8AAAAAAADgPwAAAAAAAOA/AAAAAAAA4D8CAAAAjAAAAAAAAAAAAAAAu+DjDP///wgAAAAAAAAAAAAAAAAAAAAAAAAAAAAAAAAAAAAAZAAAAAEAAABAAAAAAAAAAAAAAAAAAAAAAAAAAAAAAAAAAAAAAAAAAAAAAAAAAAAAAAAAAAAAAAAAAAAAAAAAAAAAAAAAAAAAAAAAAAAAAAAAAAAAAAAAAAAAAAAAAAAAFAAAADwAAAABAAAAAAAAAAAAAAsUAAAAAQAAABQAAAAUAAAAFAAAAAEAAAAAAAAAZAAAAGQAAAAAAAAAZAAAAGQAAAAVAAAAYAAAAAAAAAAAAAAADwAAACADAAAAAAAAAAAAAAEAAACgMgAAAAAAAAAAAAABAAAAf39/AAEAAABkAAAAAAAAABQAAABAHwAAAAAAACYAAAAAAAAAwOD//wAAAAAmAAAAZAAAABYAAABMAAAAAAAAAAAAAAAEAAAAAAAAAAEAAACAgIAKAAAAACgAAAAoAAAAZAAAAGQAAAAAAAAAzMzMAAAAAABQAAAAUAAAAGQAAABkAAAAAAAAAAcAAAA4AAAAAAAAAAAAAAAAAAAA////AAAAAAAAAAAAAAAAAAAAAAAAAAAAAAAAAAAAAABkAAAAZAAAAAAAAAAjAAAABAAAAGQAAAAXAAAAFAAAAAAAAAAAAAAA/38AAP9/AAAAAAAACQAAAAQAAAAAAAAADAAAABAAAAAAAAAAAAAAAAAAAAAAAAAAHgAAAGgAAAAAAAAAAAAAAAAAAAAAAAAAAAAAABAnAAAQJwAAAAAAAAAAAAAAAAAAAAAAAAAAAAAAAAAAAAAAAAAAAAAUAAAAAAAAAMDA/wAAAAAAZAAAADIAAAAAAAAAZAAAAAAAAAB/f38ACgAAAB8AAABUAAAAu+DjBf///wEAAAAAAAAAAAAAAAAAAAAAAAAAAAAAAAAAAAAAAAAAAAAAAAR/f38AgICAA8zMzADAwP8Af39/AAAAAAAAAAAAAAAAAP///wAAAAAAIQAAABgAAAAUAAAAbQEAADkBAAB6CwAANA8AABAAAAAmAAAACAAAAP//////////"/>
+                <pr:smNativeData xmlns:pr="smNativeData" val="SMDATA_15_mZ/BYxMAAAAlAAAAEQAAAC8BAAAAkAAAAEgAAACQAAAASAAAAAAAAAAAAAAAAAAAAAEAAABQAAAAAAAAAAAA4D8AAAAAAADgPwAAAAAAAOA/AAAAAAAA4D8AAAAAAADgPwAAAAAAAOA/AAAAAAAA4D8AAAAAAADgPwAAAAAAAOA/AAAAAAAA4D8CAAAAjAAAAAAAAAAAAAAAu+DjDP///wgAAAAAAAAAAAAAAAAAAAAAAAAAAAAAAAAAAAAAZAAAAAEAAABAAAAAAAAAAAAAAAAAAAAAAAAAAAAAAAAAAAAAAAAAAAAAAAAAAAAAAAAAAAAAAAAAAAAAAAAAAAAAAAAAAAAAAAAAAAAAAAAAAAAAAAAAAAAAAAAAAAAAFAAAADwAAAABAAAAAAAAAAAAAAsUAAAAAQAAABQAAAAUAAAAFAAAAAEAAAAAAAAAZAAAAGQAAAAAAAAAZAAAAGQAAAAVAAAAYAAAAAAAAAAAAAAADwAAACADAAAAAAAAAAAAAAEAAACgMgAAAAAAAAAAAAABAAAAf39/AAEAAABkAAAAAAAAABQAAABAHwAAAAAAACYAAAAAAAAAwOD//wAAAAAmAAAAZAAAABYAAABMAAAAAAAAAAAAAAAEAAAAAAAAAAEAAACAgIAKAAAAACgAAAAoAAAAZAAAAGQAAAAAAAAAzMzMAAAAAABQAAAAUAAAAGQAAABkAAAAAAAAAAcAAAA4AAAAAAAAAAAAAAAAAAAA////AAAAAAAAAAAAAAAAAAAAAAAAAAAAAAAAAAAAAABkAAAAZAAAAAAAAAAjAAAABAAAAGQAAAAXAAAAFAAAAAAAAAAAAAAA/38AAP9/AAAAAAAACQAAAAQAAAAAAAAADAAAABAAAAAAAAAAAAAAAAAAAAAAAAAAHgAAAGgAAAAAAAAAAAAAAAAAAAAAAAAAAAAAABAnAAAQJwAAAAAAAAAAAAAAAAAAAAAAAAAAAAAAAAAAAAAAAAAAAAAUAAAAAAAAAMDA/wAAAAAAZAAAADIAAAAAAAAAZAAAAAAAAAB/f38ACgAAAB8AAABUAAAAu+DjBf///wEAAAAAAAAAAAAAAAAAAAAAAAAAAAAAAAAAAAAAAAAAAAAAAAR/f38AgICAA8zMzADAwP8Af39/AAAAAAAAAAAAAAAAAP///wAAAAAAIQAAABgAAAAUAAAAbQEAADkBAAB6CwAANA8AABAAAAAmAAAACAAAAP//////////"/>
               </a:ext>
             </a:extLst>
           </p:cNvPicPr>
@@ -3806,7 +3807,7 @@
             <a:picLocks noChangeAspect="1"/>
             <a:extLst>
               <a:ext uri="smNativeData">
-                <pr:smNativeData xmlns:pr="smNativeData" val="SMDATA_15_Zg2zYxMAAAAlAAAAEQAAAC8BAAAAkAAAAEgAAACQAAAASAAAAAAAAAAAAAAAAAAAAAEAAABQAAAAAAAAAAAA4D8AAAAAAADgPwAAAAAAAOA/AAAAAAAA4D8AAAAAAADgPwAAAAAAAOA/AAAAAAAA4D8AAAAAAADgPwAAAAAAAOA/AAAAAAAA4D8CAAAAjAAAAAAAAAAAAAAAu+DjDP///wgAAAAAAAAAAAAAAAAAAAAAAAAAAAAAAAAAAAAAZAAAAAEAAABAAAAAAAAAAAAAAAAAAAAAAAAAAAAAAAAAAAAAAAAAAAAAAAAAAAAAAAAAAAAAAAAAAAAAAAAAAAAAAAAAAAAAAAAAAAAAAAAAAAAAAAAAAAAAAAAAAAAAFAAAADwAAAAAAAAAAAAAAAAAAAkUAAAAAQAAABQAAAAUAAAAFAAAAAEAAAAAAAAAZAAAAGQAAAAAAAAAZAAAAGQAAAAVAAAAYAAAAAAAAAAAAAAADwAAACADAAAAAAAAAAAAAAEAAACgMgAAVgcAAKr4//8BAAAAf39/AAEAAABkAAAAAAAAABQAAABAHwAAAAAAACYAAAAAAAAAwOD//wAAAAAmAAAAZAAAABYAAABMAAAAAAAAAAAAAAAEAAAAAAAAAAEAAACAgIAKAAAAACgAAAAoAAAAZAAAAGQAAAAAAAAAzMzMAAAAAABQAAAAUAAAAGQAAABkAAAAAAAAAAcAAAA4AAAAAAAAAAAAAAAAAAAA////AAAAAAAAAAAAAAAAAAAAAAAAAAAAAAAAAAAAAABkAAAAZAAAAAAAAAAjAAAABAAAAGQAAAAXAAAAFAAAAAAAAAAAAAAA/38AAP9/AAAAAAAACQAAAAQAAACcxxIMDAAAABAAAAAAAAAAAAAAAAAAAAAAAAAAHgAAAGgAAAAAAAAAAAAAAAAAAAAAAAAAAAAAABAnAAAQJwAAAAAAAAAAAAAAAAAAAAAAAAAAAAAAAAAAAAAAAAAAAAAUAAAAAAAAAMDA/wAAAAAAZAAAADIAAAAAAAAAZAAAAAAAAAB/f38ACgAAAB8AAABUAAAAu+DjBf///wEAAAAAAAAAAAAAAAAAAAAAAAAAAAAAAAAAAAAAAAAAAAAAAAJ/f38AgICAA8zMzADAwP8Af39/AAAAAAAAAAAAAAAAAP///wAAAAAAIQAAABgAAAAUAAAAOSAAAAYBAABtKgAA0A4AABAAAAAmAAAACAAAAP//////////"/>
+                <pr:smNativeData xmlns:pr="smNativeData" val="SMDATA_15_mZ/BYxMAAAAlAAAAEQAAAC8BAAAAkAAAAEgAAACQAAAASAAAAAAAAAAAAAAAAAAAAAEAAABQAAAAAAAAAAAA4D8AAAAAAADgPwAAAAAAAOA/AAAAAAAA4D8AAAAAAADgPwAAAAAAAOA/AAAAAAAA4D8AAAAAAADgPwAAAAAAAOA/AAAAAAAA4D8CAAAAjAAAAAAAAAAAAAAAu+DjDP///wgAAAAAAAAAAAAAAAAAAAAAAAAAAAAAAAAAAAAAZAAAAAEAAABAAAAAAAAAAAAAAAAAAAAAAAAAAAAAAAAAAAAAAAAAAAAAAAAAAAAAAAAAAAAAAAAAAAAAAAAAAAAAAAAAAAAAAAAAAAAAAAAAAAAAAAAAAAAAAAAAAAAAFAAAADwAAAAAAAAAAAAAAAAAAAkUAAAAAQAAABQAAAAUAAAAFAAAAAEAAAAAAAAAZAAAAGQAAAAAAAAAZAAAAGQAAAAVAAAAYAAAAAAAAAAAAAAADwAAACADAAAAAAAAAAAAAAEAAACgMgAAVgcAAKr4//8BAAAAf39/AAEAAABkAAAAAAAAABQAAABAHwAAAAAAACYAAAAAAAAAwOD//wAAAAAmAAAAZAAAABYAAABMAAAAAAAAAAAAAAAEAAAAAAAAAAEAAACAgIAKAAAAACgAAAAoAAAAZAAAAGQAAAAAAAAAzMzMAAAAAABQAAAAUAAAAGQAAABkAAAAAAAAAAcAAAA4AAAAAAAAAAAAAAAAAAAA////AAAAAAAAAAAAAAAAAAAAAAAAAAAAAAAAAAAAAABkAAAAZAAAAAAAAAAjAAAABAAAAGQAAAAXAAAAFAAAAAAAAAAAAAAA/38AAP9/AAAAAAAACQAAAAQAAACcxxIMDAAAABAAAAAAAAAAAAAAAAAAAAAAAAAAHgAAAGgAAAAAAAAAAAAAAAAAAAAAAAAAAAAAABAnAAAQJwAAAAAAAAAAAAAAAAAAAAAAAAAAAAAAAAAAAAAAAAAAAAAUAAAAAAAAAMDA/wAAAAAAZAAAADIAAAAAAAAAZAAAAAAAAAB/f38ACgAAAB8AAABUAAAAu+DjBf///wEAAAAAAAAAAAAAAAAAAAAAAAAAAAAAAAAAAAAAAAAAAAAAAAJ/f38AgICAA8zMzADAwP8Af39/AAAAAAAAAAAAAAAAAP///wAAAAAAIQAAABgAAAAUAAAAOSAAAAYBAABtKgAA0A4AABAAAAAmAAAACAAAAP//////////"/>
               </a:ext>
             </a:extLst>
           </p:cNvPicPr>
@@ -3872,7 +3873,7 @@
             <a:picLocks noChangeAspect="1"/>
             <a:extLst>
               <a:ext uri="smNativeData">
-                <pr:smNativeData xmlns:pr="smNativeData" val="SMDATA_15_Zg2zYxMAAAAlAAAAEQAAAC8BAAAAkAAAAEgAAACQAAAASAAAAAAAAAAAAAAAAAAAAAEAAABQAAAAAAAAAAAA4D8AAAAAAADgPwAAAAAAAOA/AAAAAAAA4D8AAAAAAADgPwAAAAAAAOA/AAAAAAAA4D8AAAAAAADgPwAAAAAAAOA/AAAAAAAA4D8CAAAAjAAAAAAAAAAAAAAAu+DjDP///wgAAAAAAAAAAAAAAAAAAAAAAAAAAAAAAAAAAAAAZAAAAAEAAABAAAAAAAAAAAAAAAAAAAAAAAAAAAAAAAAAAAAAAAAAAAAAAAAAAAAAAAAAAAAAAAAAAAAAAAAAAAAAAAAAAAAAAAAAAAAAAAAAAAAAAAAAAAAAAAAAAAAAFAAAADwAAAAAAAAAAAAAAAAAAAkUAAAAAQAAABQAAAAUAAAAFAAAAAEAAAAAAAAAZAAAAGQAAAAAAAAAZAAAAGQAAAAVAAAAYAAAAAAAAAAAAAAADwAAACADAAAAAAAAAAAAAAEAAACgMgAAVgcAAKr4//8BAAAAf39/AAEAAABkAAAAAAAAABQAAABAHwAAAAAAACYAAAAAAAAAwOD//wAAAAAmAAAAZAAAABYAAABMAAAAAAAAAAAAAAAEAAAAAAAAAAEAAACAgIAKAAAAACgAAAAoAAAAZAAAAGQAAAAAAAAAzMzMAAAAAABQAAAAUAAAAGQAAABkAAAAAAAAAAcAAAA4AAAAAAAAAAAAAAAAAAAA////AAAAAAAAAAAAAAAAAAAAAAAAAAAAAAAAAAAAAABkAAAAZAAAAAAAAAAjAAAABAAAAGQAAAAXAAAAFAAAAAAAAAAAAAAA/38AAP9/AAAAAAAACQAAAAQAAAAAAAAADAAAABAAAAAAAAAAAAAAAAAAAAAAAAAAHgAAAGgAAAAAAAAAAAAAAAAAAAAAAAAAAAAAABAnAAAQJwAAAAAAAAAAAAAAAAAAAAAAAAAAAAAAAAAAAAAAAAAAAAAUAAAAAAAAAMDA/wAAAAAAZAAAADIAAAAAAAAAZAAAAAAAAAB/f38ACgAAAB8AAABUAAAAu+DjBf///wEAAAAAAAAAAAAAAAAAAAAAAAAAAAAAAAAAAAAAAAAAAAAAAAJ/f38AgICAA8zMzADAwP8Af39/AAAAAAAAAAAAAAAAAP///wAAAAAAIQAAABgAAAAUAAAAFwMAABcDAACxNAAAihIAAAAAAAAmAAAACAAAAP//////////"/>
+                <pr:smNativeData xmlns:pr="smNativeData" val="SMDATA_15_mZ/BYxMAAAAlAAAAEQAAAC8BAAAAkAAAAEgAAACQAAAASAAAAAAAAAAAAAAAAAAAAAEAAABQAAAAAAAAAAAA4D8AAAAAAADgPwAAAAAAAOA/AAAAAAAA4D8AAAAAAADgPwAAAAAAAOA/AAAAAAAA4D8AAAAAAADgPwAAAAAAAOA/AAAAAAAA4D8CAAAAjAAAAAAAAAAAAAAAu+DjDP///wgAAAAAAAAAAAAAAAAAAAAAAAAAAAAAAAAAAAAAZAAAAAEAAABAAAAAAAAAAAAAAAAAAAAAAAAAAAAAAAAAAAAAAAAAAAAAAAAAAAAAAAAAAAAAAAAAAAAAAAAAAAAAAAAAAAAAAAAAAAAAAAAAAAAAAAAAAAAAAAAAAAAAFAAAADwAAAAAAAAAAAAAAAAAAAkUAAAAAQAAABQAAAAUAAAAFAAAAAEAAAAAAAAAZAAAAGQAAAAAAAAAZAAAAGQAAAAVAAAAYAAAAAAAAAAAAAAADwAAACADAAAAAAAAAAAAAAEAAACgMgAAVgcAAKr4//8BAAAAf39/AAEAAABkAAAAAAAAABQAAABAHwAAAAAAACYAAAAAAAAAwOD//wAAAAAmAAAAZAAAABYAAABMAAAAAAAAAAAAAAAEAAAAAAAAAAEAAACAgIAKAAAAACgAAAAoAAAAZAAAAGQAAAAAAAAAzMzMAAAAAABQAAAAUAAAAGQAAABkAAAAAAAAAAcAAAA4AAAAAAAAAAAAAAAAAAAA////AAAAAAAAAAAAAAAAAAAAAAAAAAAAAAAAAAAAAABkAAAAZAAAAAAAAAAjAAAABAAAAGQAAAAXAAAAFAAAAAAAAAAAAAAA/38AAP9/AAAAAAAACQAAAAQAAAAAAAAADAAAABAAAAAAAAAAAAAAAAAAAAAAAAAAHgAAAGgAAAAAAAAAAAAAAAAAAAAAAAAAAAAAABAnAAAQJwAAAAAAAAAAAAAAAAAAAAAAAAAAAAAAAAAAAAAAAAAAAAAUAAAAAAAAAMDA/wAAAAAAZAAAADIAAAAAAAAAZAAAAAAAAAB/f38ACgAAAB8AAABUAAAAu+DjBf///wEAAAAAAAAAAAAAAAAAAAAAAAAAAAAAAAAAAAAAAAAAAAAAAAJ/f38AgICAA8zMzADAwP8Af39/AAAAAAAAAAAAAAAAAP///wAAAAAAIQAAABgAAAAUAAAAFwMAABcDAACxNAAAihIAABAAAAAmAAAACAAAAP//////////"/>
               </a:ext>
             </a:extLst>
           </p:cNvPicPr>
@@ -3938,7 +3939,7 @@
             <a:picLocks noChangeAspect="1"/>
             <a:extLst>
               <a:ext uri="smNativeData">
-                <pr:smNativeData xmlns:pr="smNativeData" val="SMDATA_15_Zg2zYxMAAAAlAAAAEQAAAC8BAAAAkAAAAEgAAACQAAAASAAAAAAAAAAAAAAAAAAAAAEAAABQAAAAAAAAAAAA4D8AAAAAAADgPwAAAAAAAOA/AAAAAAAA4D8AAAAAAADgPwAAAAAAAOA/AAAAAAAA4D8AAAAAAADgPwAAAAAAAOA/AAAAAAAA4D8CAAAAjAAAAAAAAAAAAAAAu+DjDP///wgAAAAAAAAAAAAAAAAAAAAAAAAAAAAAAAAAAAAAZAAAAAEAAABAAAAAAAAAAAAAAAAAAAAAAAAAAAAAAAAAAAAAAAAAAAAAAAAAAAAAAAAAAAAAAAAAAAAAAAAAAAAAAAAAAAAAAAAAAAAAAAAAAAAAAAAAAAAAAAAAAAAAFAAAADwAAAAAAAAAAAAAAAAAAAkUAAAAAQAAABQAAAAUAAAAFAAAAAEAAAAAAAAAZAAAAGQAAAAAAAAAZAAAAGQAAAAVAAAAYAAAAAAAAAAAAAAADwAAACADAAAAAAAAAAAAAAEAAACgMgAAVgcAAKr4//8BAAAAf39/AAEAAABkAAAAAAAAABQAAABAHwAAAAAAACYAAAAAAAAAwOD//wAAAAAmAAAAZAAAABYAAABMAAAAAAAAAAAAAAAEAAAAAAAAAAEAAACAgIAKAAAAACgAAAAoAAAAZAAAAGQAAAAAAAAAzMzMAAAAAABQAAAAUAAAAGQAAABkAAAAAAAAAAcAAAA4AAAAAAAAAAAAAAAAAAAA////AAAAAAAAAAAAAAAAAAAAAAAAAAAAAAAAAAAAAABkAAAAZAAAAAAAAAAjAAAABAAAAGQAAAAXAAAAFAAAAAAAAAAAAAAA/38AAP9/AAAAAAAACQAAAAQAAAD/////DAAAABAAAAAAAAAAAAAAAAAAAAAAAAAAHgAAAGgAAAAAAAAAAAAAAAAAAAAAAAAAAAAAABAnAAAQJwAAAAAAAAAAAAAAAAAAAAAAAAAAAAAAAAAAAAAAAAAAAAAUAAAAAAAAAMDA/wAAAAAAZAAAADIAAAAAAAAAZAAAAAAAAAB/f38ACgAAAB8AAABUAAAAu+DjBf///wEAAAAAAAAAAAAAAAAAAAAAAAAAAAAAAAAAAAAAAAAAAAAAAAJ/f38AgICAA8zMzADAwP8Af39/AAAAAAAAAAAAAAAAAP///wAAAAAAIQAAABgAAAAUAAAAKg0AAAIPAABHGAAAUxkAABAAAAAmAAAACAAAAP//////////"/>
+                <pr:smNativeData xmlns:pr="smNativeData" val="SMDATA_15_mZ/BYxMAAAAlAAAAEQAAAC8BAAAAkAAAAEgAAACQAAAASAAAAAAAAAAAAAAAAAAAAAEAAABQAAAAAAAAAAAA4D8AAAAAAADgPwAAAAAAAOA/AAAAAAAA4D8AAAAAAADgPwAAAAAAAOA/AAAAAAAA4D8AAAAAAADgPwAAAAAAAOA/AAAAAAAA4D8CAAAAjAAAAAAAAAAAAAAAu+DjDP///wgAAAAAAAAAAAAAAAAAAAAAAAAAAAAAAAAAAAAAZAAAAAEAAABAAAAAAAAAAAAAAAAAAAAAAAAAAAAAAAAAAAAAAAAAAAAAAAAAAAAAAAAAAAAAAAAAAAAAAAAAAAAAAAAAAAAAAAAAAAAAAAAAAAAAAAAAAAAAAAAAAAAAFAAAADwAAAAAAAAAAAAAAAAAAAkUAAAAAQAAABQAAAAUAAAAFAAAAAEAAAAAAAAAZAAAAGQAAAAAAAAAZAAAAGQAAAAVAAAAYAAAAAAAAAAAAAAADwAAACADAAAAAAAAAAAAAAEAAACgMgAAVgcAAKr4//8BAAAAf39/AAEAAABkAAAAAAAAABQAAABAHwAAAAAAACYAAAAAAAAAwOD//wAAAAAmAAAAZAAAABYAAABMAAAAAAAAAAAAAAAEAAAAAAAAAAEAAACAgIAKAAAAACgAAAAoAAAAZAAAAGQAAAAAAAAAzMzMAAAAAABQAAAAUAAAAGQAAABkAAAAAAAAAAcAAAA4AAAAAAAAAAAAAAAAAAAA////AAAAAAAAAAAAAAAAAAAAAAAAAAAAAAAAAAAAAABkAAAAZAAAAAAAAAAjAAAABAAAAGQAAAAXAAAAFAAAAAAAAAAAAAAA/38AAP9/AAAAAAAACQAAAAQAAAD/////DAAAABAAAAAAAAAAAAAAAAAAAAAAAAAAHgAAAGgAAAAAAAAAAAAAAAAAAAAAAAAAAAAAABAnAAAQJwAAAAAAAAAAAAAAAAAAAAAAAAAAAAAAAAAAAAAAAAAAAAAUAAAAAAAAAMDA/wAAAAAAZAAAADIAAAAAAAAAZAAAAAAAAAB/f38ACgAAAB8AAABUAAAAu+DjBf///wEAAAAAAAAAAAAAAAAAAAAAAAAAAAAAAAAAAAAAAAAAAAAAAAJ/f38AgICAA8zMzADAwP8Af39/AAAAAAAAAAAAAAAAAP///wAAAAAAIQAAABgAAAAUAAAAKg0AAAIPAABHGAAAUxkAABAAAAAmAAAACAAAAP//////////"/>
               </a:ext>
             </a:extLst>
           </p:cNvPicPr>
@@ -3972,7 +3973,7 @@
             <a:picLocks noChangeAspect="1"/>
             <a:extLst>
               <a:ext uri="smNativeData">
-                <pr:smNativeData xmlns:pr="smNativeData" val="SMDATA_15_Zg2zYxMAAAAlAAAAEQAAAC8BAAAAkAAAAEgAAACQAAAASAAAAAAAAAAAAAAAAAAAAAEAAABQAAAAAAAAAAAA4D8AAAAAAADgPwAAAAAAAOA/AAAAAAAA4D8AAAAAAADgPwAAAAAAAOA/AAAAAAAA4D8AAAAAAADgPwAAAAAAAOA/AAAAAAAA4D8CAAAAjAAAAAAAAAAAAAAAu+DjDP///wgAAAAAAAAAAAAAAAAAAAAAAAAAAAAAAAAAAAAAZAAAAAEAAABAAAAAAAAAAAAAAAAAAAAAAAAAAAAAAAAAAAAAAAAAAAAAAAAAAAAAAAAAAAAAAAAAAAAAAAAAAAAAAAAAAAAAAAAAAAAAAAAAAAAAAAAAAAAAAAAAAAAAFAAAADwAAAAAAAAAAAAAAAAAAAkUAAAAAQAAABQAAAAUAAAAFAAAAAEAAAAAAAAAZAAAAGQAAAAAAAAAZAAAAGQAAAAVAAAAYAAAAAAAAAAAAAAADwAAACADAAAAAAAAAAAAAAEAAACgMgAAVgcAAKr4//8BAAAAf39/AAEAAABkAAAAAAAAABQAAABAHwAAAAAAACYAAAAAAAAAwOD//wAAAAAmAAAAZAAAABYAAABMAAAAAAAAAAAAAAAEAAAAAAAAAAEAAACAgIAKAAAAACgAAAAoAAAAZAAAAGQAAAAAAAAAzMzMAAAAAABQAAAAUAAAAGQAAABkAAAAAAAAAAcAAAA4AAAAAAAAAAAAAAAAAAAA////AAAAAAAAAAAAAAAAAAAAAAAAAAAAAAAAAAAAAABkAAAAZAAAAAAAAAAjAAAABAAAAGQAAAAXAAAAFAAAAAAAAAAAAAAA/38AAP9/AAAAAAAACQAAAAQAAAC6AgAADAAAABAAAAAAAAAAAAAAAAAAAAAAAAAAHgAAAGgAAAAAAAAAAAAAAAAAAAAAAAAAAAAAABAnAAAQJwAAAAAAAAAAAAAAAAAAAAAAAAAAAAAAAAAAAAAAAAAAAAAUAAAAAAAAAMDA/wAAAAAAZAAAADIAAAAAAAAAZAAAAAAAAAB/f38ACgAAAB8AAABUAAAAu+DjBf///wEAAAAAAAAAAAAAAAAAAAAAAAAAAAAAAAAAAAAAAAAAAAAAAAJ/f38AgICAA8zMzADAwP8Af39/AAAAAAAAAAAAAAAAAP///wAAAAAAIQAAABgAAAAUAAAAVRgAAAIPAAAEIwAAKRkAABAAAAAmAAAACAAAAP//////////"/>
+                <pr:smNativeData xmlns:pr="smNativeData" val="SMDATA_15_mZ/BYxMAAAAlAAAAEQAAAC8BAAAAkAAAAEgAAACQAAAASAAAAAAAAAAAAAAAAAAAAAEAAABQAAAAAAAAAAAA4D8AAAAAAADgPwAAAAAAAOA/AAAAAAAA4D8AAAAAAADgPwAAAAAAAOA/AAAAAAAA4D8AAAAAAADgPwAAAAAAAOA/AAAAAAAA4D8CAAAAjAAAAAAAAAAAAAAAu+DjDP///wgAAAAAAAAAAAAAAAAAAAAAAAAAAAAAAAAAAAAAZAAAAAEAAABAAAAAAAAAAAAAAAAAAAAAAAAAAAAAAAAAAAAAAAAAAAAAAAAAAAAAAAAAAAAAAAAAAAAAAAAAAAAAAAAAAAAAAAAAAAAAAAAAAAAAAAAAAAAAAAAAAAAAFAAAADwAAAAAAAAAAAAAAAAAAAkUAAAAAQAAABQAAAAUAAAAFAAAAAEAAAAAAAAAZAAAAGQAAAAAAAAAZAAAAGQAAAAVAAAAYAAAAAAAAAAAAAAADwAAACADAAAAAAAAAAAAAAEAAACgMgAAVgcAAKr4//8BAAAAf39/AAEAAABkAAAAAAAAABQAAABAHwAAAAAAACYAAAAAAAAAwOD//wAAAAAmAAAAZAAAABYAAABMAAAAAAAAAAAAAAAEAAAAAAAAAAEAAACAgIAKAAAAACgAAAAoAAAAZAAAAGQAAAAAAAAAzMzMAAAAAABQAAAAUAAAAGQAAABkAAAAAAAAAAcAAAA4AAAAAAAAAAAAAAAAAAAA////AAAAAAAAAAAAAAAAAAAAAAAAAAAAAAAAAAAAAABkAAAAZAAAAAAAAAAjAAAABAAAAGQAAAAXAAAAFAAAAAAAAAAAAAAA/38AAP9/AAAAAAAACQAAAAQAAAC6AgAADAAAABAAAAAAAAAAAAAAAAAAAAAAAAAAHgAAAGgAAAAAAAAAAAAAAAAAAAAAAAAAAAAAABAnAAAQJwAAAAAAAAAAAAAAAAAAAAAAAAAAAAAAAAAAAAAAAAAAAAAUAAAAAAAAAMDA/wAAAAAAZAAAADIAAAAAAAAAZAAAAAAAAAB/f38ACgAAAB8AAABUAAAAu+DjBf///wEAAAAAAAAAAAAAAAAAAAAAAAAAAAAAAAAAAAAAAAAAAAAAAAJ/f38AgICAA8zMzADAwP8Af39/AAAAAAAAAAAAAAAAAP///wAAAAAAIQAAABgAAAAUAAAAVRgAAAIPAAAEIwAAKRkAABAAAAAmAAAACAAAAP//////////"/>
               </a:ext>
             </a:extLst>
           </p:cNvPicPr>
@@ -4006,7 +4007,7 @@
             <a:picLocks noChangeAspect="1"/>
             <a:extLst>
               <a:ext uri="smNativeData">
-                <pr:smNativeData xmlns:pr="smNativeData" val="SMDATA_15_Zg2zYxMAAAAlAAAAEQAAAC8BAAAAkAAAAEgAAACQAAAASAAAAAAAAAAAAAAAAAAAAAEAAABQAAAAAAAAAAAA4D8AAAAAAADgPwAAAAAAAOA/AAAAAAAA4D8AAAAAAADgPwAAAAAAAOA/AAAAAAAA4D8AAAAAAADgPwAAAAAAAOA/AAAAAAAA4D8CAAAAjAAAAAAAAAAAAAAAu+DjDP///wgAAAAAAAAAAAAAAAAAAAAAAAAAAAAAAAAAAAAAZAAAAAEAAABAAAAAAAAAAAAAAAAAAAAAAAAAAAAAAAAAAAAAAAAAAAAAAAAAAAAAAAAAAAAAAAAAAAAAAAAAAAAAAAAAAAAAAAAAAAAAAAAAAAAAAAAAAAAAAAAAAAAAFAAAADwAAAAAAAAAAAAAAAAAAAkUAAAAAQAAABQAAAAUAAAAFAAAAAEAAAAAAAAAZAAAAGQAAAAAAAAAZAAAAGQAAAAVAAAAYAAAAAAAAAAAAAAADwAAACADAAAAAAAAAAAAAAEAAACgMgAAVgcAAKr4//8BAAAAf39/AAEAAABkAAAAAAAAABQAAABAHwAAAAAAACYAAAAAAAAAwOD//wAAAAAmAAAAZAAAABYAAABMAAAAAAAAAAAAAAAEAAAAAAAAAAEAAACAgIAKAAAAACgAAAAoAAAAZAAAAGQAAAAAAAAAzMzMAAAAAABQAAAAUAAAAGQAAABkAAAAAAAAAAcAAAA4AAAAAAAAAAAAAAAAAAAA////AAAAAAAAAAAAAAAAAAAAAAAAAAAAAAAAAAAAAABkAAAAZAAAAAAAAAAjAAAABAAAAGQAAAAXAAAAFAAAAAAAAAAAAAAA/38AAP9/AAAAAAAACQAAAAQAAAAAAAAADAAAABAAAAAAAAAAAAAAAAAAAAAAAAAAHgAAAGgAAAAAAAAAAAAAAAAAAAAAAAAAAAAAABAnAAAQJwAAAAAAAAAAAAAAAAAAAAAAAAAAAAAAAAAAAAAAAAAAAAAUAAAAAAAAAMDA/wAAAAAAZAAAADIAAAAAAAAAZAAAAAAAAAB/f38ACgAAAB8AAABUAAAAu+DjBf///wEAAAAAAAAAAAAAAAAAAAAAAAAAAAAAAAAAAAAAAAAAAAAAAAJ/f38AgICAA8zMzADAwP8Af39/AAAAAAAAAAAAAAAAAP///wAAAAAAIQAAABgAAAAUAAAAUwEAAAIPAADODAAAKRkAABAAAAAmAAAACAAAAP//////////"/>
+                <pr:smNativeData xmlns:pr="smNativeData" val="SMDATA_15_mZ/BYxMAAAAlAAAAEQAAAC8BAAAAkAAAAEgAAACQAAAASAAAAAAAAAAAAAAAAAAAAAEAAABQAAAAAAAAAAAA4D8AAAAAAADgPwAAAAAAAOA/AAAAAAAA4D8AAAAAAADgPwAAAAAAAOA/AAAAAAAA4D8AAAAAAADgPwAAAAAAAOA/AAAAAAAA4D8CAAAAjAAAAAAAAAAAAAAAu+DjDP///wgAAAAAAAAAAAAAAAAAAAAAAAAAAAAAAAAAAAAAZAAAAAEAAABAAAAAAAAAAAAAAAAAAAAAAAAAAAAAAAAAAAAAAAAAAAAAAAAAAAAAAAAAAAAAAAAAAAAAAAAAAAAAAAAAAAAAAAAAAAAAAAAAAAAAAAAAAAAAAAAAAAAAFAAAADwAAAAAAAAAAAAAAAAAAAkUAAAAAQAAABQAAAAUAAAAFAAAAAEAAAAAAAAAZAAAAGQAAAAAAAAAZAAAAGQAAAAVAAAAYAAAAAAAAAAAAAAADwAAACADAAAAAAAAAAAAAAEAAACgMgAAVgcAAKr4//8BAAAAf39/AAEAAABkAAAAAAAAABQAAABAHwAAAAAAACYAAAAAAAAAwOD//wAAAAAmAAAAZAAAABYAAABMAAAAAAAAAAAAAAAEAAAAAAAAAAEAAACAgIAKAAAAACgAAAAoAAAAZAAAAGQAAAAAAAAAzMzMAAAAAABQAAAAUAAAAGQAAABkAAAAAAAAAAcAAAA4AAAAAAAAAAAAAAAAAAAA////AAAAAAAAAAAAAAAAAAAAAAAAAAAAAAAAAAAAAABkAAAAZAAAAAAAAAAjAAAABAAAAGQAAAAXAAAAFAAAAAAAAAAAAAAA/38AAP9/AAAAAAAACQAAAAQAAAAAAAAADAAAABAAAAAAAAAAAAAAAAAAAAAAAAAAHgAAAGgAAAAAAAAAAAAAAAAAAAAAAAAAAAAAABAnAAAQJwAAAAAAAAAAAAAAAAAAAAAAAAAAAAAAAAAAAAAAAAAAAAAUAAAAAAAAAMDA/wAAAAAAZAAAADIAAAAAAAAAZAAAAAAAAAB/f38ACgAAAB8AAABUAAAAu+DjBf///wEAAAAAAAAAAAAAAAAAAAAAAAAAAAAAAAAAAAAAAAAAAAAAAAJ/f38AgICAA8zMzADAwP8Af39/AAAAAAAAAAAAAAAAAP///wAAAAAAIQAAABgAAAAUAAAAUwEAAAIPAADODAAAKRkAABAAAAAmAAAACAAAAP//////////"/>
               </a:ext>
             </a:extLst>
           </p:cNvPicPr>
@@ -4072,7 +4073,7 @@
             <a:picLocks noChangeAspect="1"/>
             <a:extLst>
               <a:ext uri="smNativeData">
-                <pr:smNativeData xmlns:pr="smNativeData" val="SMDATA_15_Zg2zYxMAAAAlAAAAEQAAAC8BAAAAkAAAAEgAAACQAAAASAAAAAAAAAAAAAAAAAAAAAEAAABQAAAAAAAAAAAA4D8AAAAAAADgPwAAAAAAAOA/AAAAAAAA4D8AAAAAAADgPwAAAAAAAOA/AAAAAAAA4D8AAAAAAADgPwAAAAAAAOA/AAAAAAAA4D8CAAAAjAAAAAAAAAAAAAAAu+DjDP///wgAAAAAAAAAAAAAAAAAAAAAAAAAAAAAAAAAAAAAZAAAAAEAAABAAAAAAAAAAAAAAAAAAAAAAAAAAAAAAAAAAAAAAAAAAAAAAAAAAAAAAAAAAAAAAAAAAAAAAAAAAAAAAAAAAAAAAAAAAAAAAAAAAAAAAAAAAAAAAAAAAAAAFAAAADwAAAAAAAAAAAAAAAAAAAkUAAAAAQAAABQAAAAUAAAAFAAAAAEAAAAAAAAAZAAAAGQAAAAAAAAAZAAAAGQAAAAVAAAAYAAAAAAAAAAAAAAADwAAACADAAAAAAAAAAAAAAEAAACgMgAAVgcAAKr4//8BAAAAf39/AAEAAABkAAAAAAAAABQAAABAHwAAAAAAACYAAAAAAAAAwOD//wAAAAAmAAAAZAAAABYAAABMAAAAAAAAAAAAAAAEAAAAAAAAAAEAAACAgIAKAAAAACgAAAAoAAAAZAAAAGQAAAAAAAAAzMzMAAAAAABQAAAAUAAAAGQAAABkAAAAAAAAAAcAAAA4AAAAAAAAAAAAAAAAAAAA////AAAAAAAAAAAAAAAAAAAAAAAAAAAAAAAAAAAAAABkAAAAZAAAAAAAAAAjAAAABAAAAGQAAAAXAAAAFAAAAAAAAAAAAAAA/38AAP9/AAAAAAAACQAAAAQAAABEqHYJDAAAABAAAAAAAAAAAAAAAAAAAAAAAAAAHgAAAGgAAAAAAAAAAAAAAAAAAAAAAAAAAAAAABAnAAAQJwAAAAAAAAAAAAAAAAAAAAAAAAAAAAAAAAAAAAAAAAAAAAAUAAAAAAAAAMDA/wAAAAAAZAAAADIAAAAAAAAAZAAAAAAAAAB/f38ACgAAAB8AAABUAAAAu+DjBf///wEAAAAAAAAAAAAAAAAAAAAAAAAAAAAAAAAAAAAAAAAAAAAAAAJ/f38AgICAA8zMzADAwP8Af39/AAAAAAAAAAAAAAAAAP///wAAAAAAIQAAABgAAAAUAAAAiAMAABAHAADkLgAADBoAABAAAAAmAAAACAAAAP//////////"/>
+                <pr:smNativeData xmlns:pr="smNativeData" val="SMDATA_15_mZ/BYxMAAAAlAAAAEQAAAC8BAAAAkAAAAEgAAACQAAAASAAAAAAAAAAAAAAAAAAAAAEAAABQAAAAAAAAAAAA4D8AAAAAAADgPwAAAAAAAOA/AAAAAAAA4D8AAAAAAADgPwAAAAAAAOA/AAAAAAAA4D8AAAAAAADgPwAAAAAAAOA/AAAAAAAA4D8CAAAAjAAAAAAAAAAAAAAAu+DjDP///wgAAAAAAAAAAAAAAAAAAAAAAAAAAAAAAAAAAAAAZAAAAAEAAABAAAAAAAAAAAAAAAAAAAAAAAAAAAAAAAAAAAAAAAAAAAAAAAAAAAAAAAAAAAAAAAAAAAAAAAAAAAAAAAAAAAAAAAAAAAAAAAAAAAAAAAAAAAAAAAAAAAAAFAAAADwAAAAAAAAAAAAAAAAAAAkUAAAAAQAAABQAAAAUAAAAFAAAAAEAAAAAAAAAZAAAAGQAAAAAAAAAZAAAAGQAAAAVAAAAYAAAAAAAAAAAAAAADwAAACADAAAAAAAAAAAAAAEAAACgMgAAVgcAAKr4//8BAAAAf39/AAEAAABkAAAAAAAAABQAAABAHwAAAAAAACYAAAAAAAAAwOD//wAAAAAmAAAAZAAAABYAAABMAAAAAAAAAAAAAAAEAAAAAAAAAAEAAACAgIAKAAAAACgAAAAoAAAAZAAAAGQAAAAAAAAAzMzMAAAAAABQAAAAUAAAAGQAAABkAAAAAAAAAAcAAAA4AAAAAAAAAAAAAAAAAAAA////AAAAAAAAAAAAAAAAAAAAAAAAAAAAAAAAAAAAAABkAAAAZAAAAAAAAAAjAAAABAAAAGQAAAAXAAAAFAAAAAAAAAAAAAAA/38AAP9/AAAAAAAACQAAAAQAAABEqHYJDAAAABAAAAAAAAAAAAAAAAAAAAAAAAAAHgAAAGgAAAAAAAAAAAAAAAAAAAAAAAAAAAAAABAnAAAQJwAAAAAAAAAAAAAAAAAAAAAAAAAAAAAAAAAAAAAAAAAAAAAUAAAAAAAAAMDA/wAAAAAAZAAAADIAAAAAAAAAZAAAAAAAAAB/f38ACgAAAB8AAABUAAAAu+DjBf///wEAAAAAAAAAAAAAAAAAAAAAAAAAAAAAAAAAAAAAAAAAAAAAAAJ/f38AgICAA8zMzADAwP8Af39/AAAAAAAAAAAAAAAAAP///wAAAAAAIQAAABgAAAAUAAAAiAMAABAHAADkLgAADBoAABAAAAAmAAAACAAAAP//////////"/>
               </a:ext>
             </a:extLst>
           </p:cNvPicPr>
@@ -4138,7 +4139,7 @@
             <a:picLocks noChangeAspect="1"/>
             <a:extLst>
               <a:ext uri="smNativeData">
-                <pr:smNativeData xmlns:pr="smNativeData" val="SMDATA_15_Zg2zYxMAAAAlAAAAEQAAAC8BAAAAkAAAAEgAAACQAAAASAAAAAAAAAAAAAAAAAAAAAEAAABQAAAAAAAAAAAA4D8AAAAAAADgPwAAAAAAAOA/AAAAAAAA4D8AAAAAAADgPwAAAAAAAOA/AAAAAAAA4D8AAAAAAADgPwAAAAAAAOA/AAAAAAAA4D8CAAAAjAAAAAAAAAAAAAAAu+DjDP///wgAAAAAAAAAAAAAAAAAAAAAAAAAAAAAAAAAAAAAZAAAAAEAAABAAAAAAAAAAAAAAAAAAAAAAAAAAAAAAAAAAAAAAAAAAAAAAAAAAAAAAAAAAAAAAAAAAAAAAAAAAAAAAAAAAAAAAAAAAAAAAAAAAAAAAAAAAAAAAAAAAAAAFAAAADwAAAAAAAAAAAAAAAAAAAkUAAAAAQAAABQAAAAUAAAAFAAAAAEAAAAAAAAAZAAAAGQAAAAAAAAAZAAAAGQAAAAVAAAAYAAAAAAAAAAAAAAADwAAACADAAAAAAAAAAAAAAEAAACgMgAAVgcAAKr4//8BAAAAf39/AAEAAABkAAAAAAAAABQAAABAHwAAAAAAACYAAAAAAAAAwOD//wAAAAAmAAAAZAAAABYAAABMAAAAAAAAAAAAAAAEAAAAAAAAAAEAAACAgIAKAAAAACgAAAAoAAAAZAAAAGQAAAAAAAAAzMzMAAAAAABQAAAAUAAAAGQAAABkAAAAAAAAAAcAAAA4AAAAAAAAAAAAAAAAAAAA////AAAAAAAAAAAAAAAAAAAAAAAAAAAAAAAAAAAAAABkAAAAZAAAAAAAAAAjAAAABAAAAGQAAAAXAAAAFAAAAAAAAAAAAAAA/38AAP9/AAAAAAAACQAAAAQAAADAAxAADAAAABAAAAAAAAAAAAAAAAAAAAAAAAAAHgAAAGgAAAAAAAAAAAAAAAAAAAAAAAAAAAAAABAnAAAQJwAAAAAAAAAAAAAAAAAAAAAAAAAAAAAAAAAAAAAAAAAAAAAUAAAAAAAAAMDA/wAAAAAAZAAAADIAAAAAAAAAZAAAAAAAAAB/f38ACgAAAB8AAABUAAAAu+DjBf///wEAAAAAAAAAAAAAAAAAAAAAAAAAAAAAAAAAAAAAAAAAAAAAAAJ/f38AgICAA8zMzADAwP8Af39/AAAAAAAAAAAAAAAAAP///wAAAAAAIQAAABgAAAAUAAAAJwQAAJgKAADtGgAArhkAABAAAAAmAAAACAAAAP//////////"/>
+                <pr:smNativeData xmlns:pr="smNativeData" val="SMDATA_15_mZ/BYxMAAAAlAAAAEQAAAC8BAAAAkAAAAEgAAACQAAAASAAAAAAAAAAAAAAAAAAAAAEAAABQAAAAAAAAAAAA4D8AAAAAAADgPwAAAAAAAOA/AAAAAAAA4D8AAAAAAADgPwAAAAAAAOA/AAAAAAAA4D8AAAAAAADgPwAAAAAAAOA/AAAAAAAA4D8CAAAAjAAAAAAAAAAAAAAAu+DjDP///wgAAAAAAAAAAAAAAAAAAAAAAAAAAAAAAAAAAAAAZAAAAAEAAABAAAAAAAAAAAAAAAAAAAAAAAAAAAAAAAAAAAAAAAAAAAAAAAAAAAAAAAAAAAAAAAAAAAAAAAAAAAAAAAAAAAAAAAAAAAAAAAAAAAAAAAAAAAAAAAAAAAAAFAAAADwAAAAAAAAAAAAAAAAAAAkUAAAAAQAAABQAAAAUAAAAFAAAAAEAAAAAAAAAZAAAAGQAAAAAAAAAZAAAAGQAAAAVAAAAYAAAAAAAAAAAAAAADwAAACADAAAAAAAAAAAAAAEAAACgMgAAVgcAAKr4//8BAAAAf39/AAEAAABkAAAAAAAAABQAAABAHwAAAAAAACYAAAAAAAAAwOD//wAAAAAmAAAAZAAAABYAAABMAAAAAAAAAAAAAAAEAAAAAAAAAAEAAACAgIAKAAAAACgAAAAoAAAAZAAAAGQAAAAAAAAAzMzMAAAAAABQAAAAUAAAAGQAAABkAAAAAAAAAAcAAAA4AAAAAAAAAAAAAAAAAAAA////AAAAAAAAAAAAAAAAAAAAAAAAAAAAAAAAAAAAAABkAAAAZAAAAAAAAAAjAAAABAAAAGQAAAAXAAAAFAAAAAAAAAAAAAAA/38AAP9/AAAAAAAACQAAAAQAAADAAxAADAAAABAAAAAAAAAAAAAAAAAAAAAAAAAAHgAAAGgAAAAAAAAAAAAAAAAAAAAAAAAAAAAAABAnAAAQJwAAAAAAAAAAAAAAAAAAAAAAAAAAAAAAAAAAAAAAAAAAAAAUAAAAAAAAAMDA/wAAAAAAZAAAADIAAAAAAAAAZAAAAAAAAAB/f38ACgAAAB8AAABUAAAAu+DjBf///wEAAAAAAAAAAAAAAAAAAAAAAAAAAAAAAAAAAAAAAAAAAAAAAAJ/f38AgICAA8zMzADAwP8Af39/AAAAAAAAAAAAAAAAAP///wAAAAAAIQAAABgAAAAUAAAAJwQAAJgKAADtGgAArhkAABAAAAAmAAAACAAAAP//////////"/>
               </a:ext>
             </a:extLst>
           </p:cNvPicPr>
@@ -4172,7 +4173,7 @@
             <a:picLocks noChangeAspect="1"/>
             <a:extLst>
               <a:ext uri="smNativeData">
-                <pr:smNativeData xmlns:pr="smNativeData" val="SMDATA_15_Zg2zYxMAAAAlAAAAEQAAAC8BAAAAkAAAAEgAAACQAAAASAAAAAAAAAAAAAAAAAAAAAEAAABQAAAAAAAAAAAA4D8AAAAAAADgPwAAAAAAAOA/AAAAAAAA4D8AAAAAAADgPwAAAAAAAOA/AAAAAAAA4D8AAAAAAADgPwAAAAAAAOA/AAAAAAAA4D8CAAAAjAAAAAAAAAAAAAAAu+DjDP///wgAAAAAAAAAAAAAAAAAAAAAAAAAAAAAAAAAAAAAZAAAAAEAAABAAAAAAAAAAAAAAAAAAAAAAAAAAAAAAAAAAAAAAAAAAAAAAAAAAAAAAAAAAAAAAAAAAAAAAAAAAAAAAAAAAAAAAAAAAAAAAAAAAAAAAAAAAAAAAAAAAAAAFAAAADwAAAAAAAAAAAAAAAAAAAkUAAAAAQAAABQAAAAUAAAAFAAAAAEAAAAAAAAAZAAAAGQAAAAAAAAAZAAAAGQAAAAVAAAAYAAAAAAAAAAAAAAADwAAACADAAAAAAAAAAAAAAEAAACgMgAAVgcAAKr4//8BAAAAf39/AAEAAABkAAAAAAAAABQAAABAHwAAAAAAACYAAAAAAAAAwOD//wAAAAAmAAAAZAAAABYAAABMAAAAAAAAAAAAAAAEAAAAAAAAAAEAAACAgIAKAAAAACgAAAAoAAAAZAAAAGQAAAAAAAAAzMzMAAAAAABQAAAAUAAAAGQAAABkAAAAAAAAAAcAAAA4AAAAAAAAAAAAAAAAAAAA////AAAAAAAAAAAAAAAAAAAAAAAAAAAAAAAAAAAAAABkAAAAZAAAAAAAAAAjAAAABAAAAGQAAAAXAAAAFAAAAAAAAAAAAAAA/38AAP9/AAAAAAAACQAAAAQAAAB8Yu0LDAAAABAAAAAAAAAAAAAAAAAAAAAAAAAAHgAAAGgAAAAAAAAAAAAAAAAAAAAAAAAAAAAAABAnAAAQJwAAAAAAAAAAAAAAAAAAAAAAAAAAAAAAAAAAAAAAAAAAAAAUAAAAAAAAAMDA/wAAAAAAZAAAADIAAAAAAAAAZAAAAAAAAAB/f38ACgAAAB8AAABUAAAAu+DjBf///wEAAAAAAAAAAAAAAAAAAAAAAAAAAAAAAAAAAAAAAAAAAAAAAAJ/f38AgICAA8zMzADAwP8Af39/AAAAAAAAAAAAAAAAAP///wAAAAAAIQAAABgAAAAUAAAA3B4AAJgKAACkLQAAmhkAABAAAAAmAAAACAAAAP//////////"/>
+                <pr:smNativeData xmlns:pr="smNativeData" val="SMDATA_15_mZ/BYxMAAAAlAAAAEQAAAC8BAAAAkAAAAEgAAACQAAAASAAAAAAAAAAAAAAAAAAAAAEAAABQAAAAAAAAAAAA4D8AAAAAAADgPwAAAAAAAOA/AAAAAAAA4D8AAAAAAADgPwAAAAAAAOA/AAAAAAAA4D8AAAAAAADgPwAAAAAAAOA/AAAAAAAA4D8CAAAAjAAAAAAAAAAAAAAAu+DjDP///wgAAAAAAAAAAAAAAAAAAAAAAAAAAAAAAAAAAAAAZAAAAAEAAABAAAAAAAAAAAAAAAAAAAAAAAAAAAAAAAAAAAAAAAAAAAAAAAAAAAAAAAAAAAAAAAAAAAAAAAAAAAAAAAAAAAAAAAAAAAAAAAAAAAAAAAAAAAAAAAAAAAAAFAAAADwAAAAAAAAAAAAAAAAAAAkUAAAAAQAAABQAAAAUAAAAFAAAAAEAAAAAAAAAZAAAAGQAAAAAAAAAZAAAAGQAAAAVAAAAYAAAAAAAAAAAAAAADwAAACADAAAAAAAAAAAAAAEAAACgMgAAVgcAAKr4//8BAAAAf39/AAEAAABkAAAAAAAAABQAAABAHwAAAAAAACYAAAAAAAAAwOD//wAAAAAmAAAAZAAAABYAAABMAAAAAAAAAAAAAAAEAAAAAAAAAAEAAACAgIAKAAAAACgAAAAoAAAAZAAAAGQAAAAAAAAAzMzMAAAAAABQAAAAUAAAAGQAAABkAAAAAAAAAAcAAAA4AAAAAAAAAAAAAAAAAAAA////AAAAAAAAAAAAAAAAAAAAAAAAAAAAAAAAAAAAAABkAAAAZAAAAAAAAAAjAAAABAAAAGQAAAAXAAAAFAAAAAAAAAAAAAAA/38AAP9/AAAAAAAACQAAAAQAAAB8Yu0LDAAAABAAAAAAAAAAAAAAAAAAAAAAAAAAHgAAAGgAAAAAAAAAAAAAAAAAAAAAAAAAAAAAABAnAAAQJwAAAAAAAAAAAAAAAAAAAAAAAAAAAAAAAAAAAAAAAAAAAAAUAAAAAAAAAMDA/wAAAAAAZAAAADIAAAAAAAAAZAAAAAAAAAB/f38ACgAAAB8AAABUAAAAu+DjBf///wEAAAAAAAAAAAAAAAAAAAAAAAAAAAAAAAAAAAAAAAAAAAAAAAJ/f38AgICAA8zMzADAwP8Af39/AAAAAAAAAAAAAAAAAP///wAAAAAAIQAAABgAAAAUAAAA3B4AAJgKAACkLQAAmhkAABAAAAAmAAAACAAAAP//////////"/>
               </a:ext>
             </a:extLst>
           </p:cNvPicPr>
@@ -4205,7 +4206,7 @@
           <p:cNvSpPr>
             <a:extLst>
               <a:ext uri="smNativeData">
-                <pr:smNativeData xmlns:pr="smNativeData" val="SMDATA_13_Zg2zYxMAAAAlAAAA2AAAAA8BAAAAkAAAAEgAAACQAAAASAAAAAAAAAAAAAAAAAAAAAEAAABQAAAAAAAAAAAA4D8AAAAAAADgPwAAAAAAAOA/AAAAAAAA4D8AAAAAAADgPwAAAAAAAOA/AAAAAAAA4D8AAAAAAADgPwAAAAAAAOA/AAAAAAAA4D8CAAAAjAAAAAEAAAAAAAAAs7OzAP///wgAAAAAAAAAAAAAAAAAAAAAAAAAAAAAAAAAAAAAZAAAAAEAAABAAAAAAAAAAAAAAAAAAAAAAAAAAAAAAAAAAAAAAAAAAAAAAAAAAAAAAAAAAAAAAAAAAAAAAAAAAAAAAAAAAAAAAAAAAAAAAAAAAAAAAAAAAAAAAAAAAAAAFAAAADwAAAABAAAAAAAAAAAAAAkUAAAAAQAAABQAAAAUAAAAFAAAAAEAAAAAAAAAZAAAAGQAAAAAAAAAZAAAAGQAAAAVAAAAYAAAAAAAAAAAAAAADwAAACADAAAAAAAAAAAAAAEAAACgMgAAVgcAAKr4//8BAAAAf39/AAEAAABkAAAAAAAAABQAAABAHwAAAAAAACYAAAAAAAAAwOD//wAAAAAmAAAAZAAAABYAAABMAAAAAAAAAAAAAAAEAAAAAAAAAAEAAACAgIAKAAAAACgAAAAoAAAAZAAAAGQAAAAAAAAAzMzMAAAAAABQAAAAUAAAAGQAAABkAAAAAAAAABcAAAAUAAAAAAAAAAAAAAD/fwAA/38AAAAAAAAJAAAABAAAAFNQSU4MAAAAEAAAAAAAAAAAAAAAAAAAAAAAAAAeAAAAaAAAAAAAAAAAAAAAAAAAAAAAAAAAAAAAECcAABAnAAAAAAAAAAAAAAAAAAAAAAAAAAAAAAAAAAAAAAAAAAAAABQAAAAAAAAAwMD/AAAAAABkAAAAMgAAAAAAAABkAAAAAAAAAH9/fwAKAAAAHwAAAFQAAACzs7MA////AQAAAAAAAAAAAAAAAAAAAAAAAAAAAAAAAAAAAAAAAAAAAAAAAn9/fwCAgIADzMzMAMDA/wB/f38AAAAAAAAAAAAAAAAAAAAAAAAAAAAhAAAAGAAAABQAAAB8GgAANxEAAHUeAAD7EgAAEAAAACYAAAAIAAAA//////////8="/>
+                <pr:smNativeData xmlns:pr="smNativeData" val="SMDATA_13_mZ/BYxMAAAAlAAAA2AAAAA8BAAAAkAAAAEgAAACQAAAASAAAAAAAAAAAAAAAAAAAAAEAAABQAAAAAAAAAAAA4D8AAAAAAADgPwAAAAAAAOA/AAAAAAAA4D8AAAAAAADgPwAAAAAAAOA/AAAAAAAA4D8AAAAAAADgPwAAAAAAAOA/AAAAAAAA4D8CAAAAjAAAAAEAAAAAAAAAs7OzAP///wgAAAAAAAAAAAAAAAAAAAAAAAAAAAAAAAAAAAAAZAAAAAEAAABAAAAAAAAAAAAAAAAAAAAAAAAAAAAAAAAAAAAAAAAAAAAAAAAAAAAAAAAAAAAAAAAAAAAAAAAAAAAAAAAAAAAAAAAAAAAAAAAAAAAAAAAAAAAAAAAAAAAAFAAAADwAAAABAAAAAAAAAAAAAAkUAAAAAQAAABQAAAAUAAAAFAAAAAEAAAAAAAAAZAAAAGQAAAAAAAAAZAAAAGQAAAAVAAAAYAAAAAAAAAAAAAAADwAAACADAAAAAAAAAAAAAAEAAACgMgAAVgcAAKr4//8BAAAAf39/AAEAAABkAAAAAAAAABQAAABAHwAAAAAAACYAAAAAAAAAwOD//wAAAAAmAAAAZAAAABYAAABMAAAAAAAAAAAAAAAEAAAAAAAAAAEAAACAgIAKAAAAACgAAAAoAAAAZAAAAGQAAAAAAAAAzMzMAAAAAABQAAAAUAAAAGQAAABkAAAAAAAAABcAAAAUAAAAAAAAAAAAAAD/fwAA/38AAAAAAAAJAAAABAAAAFNQSU4MAAAAEAAAAAAAAAAAAAAAAAAAAAAAAAAeAAAAaAAAAAAAAAAAAAAAAAAAAAAAAAAAAAAAECcAABAnAAAAAAAAAAAAAAAAAAAAAAAAAAAAAAAAAAAAAAAAAAAAABQAAAAAAAAAwMD/AAAAAABkAAAAMgAAAAAAAABkAAAAAAAAAH9/fwAKAAAAHwAAAFQAAACzs7MA////AQAAAAAAAAAAAAAAAAAAAAAAAAAAAAAAAAAAAAAAAAAAAAAAAn9/fwCAgIADzMzMAMDA/wB/f38AAAAAAAAAAAAAAAAAAAAAAAAAAAAhAAAAGAAAABQAAAB8GgAANxEAAHUeAAD7EgAAEAAAACYAAAAIAAAA//////////8="/>
               </a:ext>
             </a:extLst>
           </p:cNvSpPr>
@@ -4275,7 +4276,7 @@
             <a:picLocks noChangeAspect="1"/>
             <a:extLst>
               <a:ext uri="smNativeData">
-                <pr:smNativeData xmlns:pr="smNativeData" val="SMDATA_15_Zg2zYxMAAAAlAAAAEQAAAC8BAAAAkAAAAEgAAACQAAAASAAAAAAAAAAAAAAAAAAAAAEAAABQAAAAAAAAAAAA4D8AAAAAAADgPwAAAAAAAOA/AAAAAAAA4D8AAAAAAADgPwAAAAAAAOA/AAAAAAAA4D8AAAAAAADgPwAAAAAAAOA/AAAAAAAA4D8CAAAAjAAAAAAAAAAAAAAAu+DjDP///wgAAAAAAAAAAAAAAAAAAAAAAAAAAAAAAAAAAAAAZAAAAAEAAABAAAAAAAAAAAAAAAAAAAAAAAAAAAAAAAAAAAAAAAAAAAAAAAAAAAAAAAAAAAAAAAAAAAAAAAAAAAAAAAAAAAAAAAAAAAAAAAAAAAAAAAAAAAAAAAAAAAAAFAAAADwAAAAAAAAAAAAAAAAAAAkUAAAAAQAAABQAAAAUAAAAFAAAAAEAAAAAAAAAZAAAAGQAAAAAAAAAZAAAAGQAAAAVAAAAYAAAAAAAAAAAAAAADwAAACADAAAAAAAAAAAAAAEAAACgMgAAVgcAAKr4//8BAAAAf39/AAEAAABkAAAAAAAAABQAAABAHwAAAAAAACYAAAAAAAAAwOD//wAAAAAmAAAAZAAAABYAAABMAAAAAAAAAAAAAAAEAAAAAAAAAAEAAACAgIAKAAAAACgAAAAoAAAAZAAAAGQAAAAAAAAAzMzMAAAAAABQAAAAUAAAAGQAAABkAAAAAAAAAAcAAAA4AAAAAAAAAAAAAAAAAAAA////AAAAAAAAAAAAAAAAAAAAAAAAAAAAAAAAAAAAAABkAAAAZAAAAAAAAAAjAAAABAAAAGQAAAAXAAAAFAAAAAAAAAAAAAAA/38AAP9/AAAAAAAACQAAAAQAAAAAAAAADAAAABAAAAAAAAAAAAAAAAAAAAAAAAAAHgAAAGgAAAAAAAAAAAAAAAAAAAAAAAAAAAAAABAnAAAQJwAAAAAAAAAAAAAAAAAAAAAAAAAAAAAAAAAAAAAAAAAAAAAUAAAAAAAAAMDA/wAAAAAAZAAAADIAAAAAAAAAZAAAAAAAAAB/f38ACgAAAB8AAABUAAAAu+DjBf///wEAAAAAAAAAAAAAAAAAAAAAAAAAAAAAAAAAAAAAAAAAAAAAAAJ/f38AgICAA8zMzADAwP8Af39/AAAAAAAAAAAAAAAAAP///wAAAAAAIQAAABgAAAAUAAAAagQAAMYKAACWMgAAuBgAABAAAAAmAAAACAAAAP//////////"/>
+                <pr:smNativeData xmlns:pr="smNativeData" val="SMDATA_15_mZ/BYxMAAAAlAAAAEQAAAC8BAAAAkAAAAEgAAACQAAAASAAAAAAAAAAAAAAAAAAAAAEAAABQAAAAAAAAAAAA4D8AAAAAAADgPwAAAAAAAOA/AAAAAAAA4D8AAAAAAADgPwAAAAAAAOA/AAAAAAAA4D8AAAAAAADgPwAAAAAAAOA/AAAAAAAA4D8CAAAAjAAAAAAAAAAAAAAAu+DjDP///wgAAAAAAAAAAAAAAAAAAAAAAAAAAAAAAAAAAAAAZAAAAAEAAABAAAAAAAAAAAAAAAAAAAAAAAAAAAAAAAAAAAAAAAAAAAAAAAAAAAAAAAAAAAAAAAAAAAAAAAAAAAAAAAAAAAAAAAAAAAAAAAAAAAAAAAAAAAAAAAAAAAAAFAAAADwAAAAAAAAAAAAAAAAAAAkUAAAAAQAAABQAAAAUAAAAFAAAAAEAAAAAAAAAZAAAAGQAAAAAAAAAZAAAAGQAAAAVAAAAYAAAAAAAAAAAAAAADwAAACADAAAAAAAAAAAAAAEAAACgMgAAVgcAAKr4//8BAAAAf39/AAEAAABkAAAAAAAAABQAAABAHwAAAAAAACYAAAAAAAAAwOD//wAAAAAmAAAAZAAAABYAAABMAAAAAAAAAAAAAAAEAAAAAAAAAAEAAACAgIAKAAAAACgAAAAoAAAAZAAAAGQAAAAAAAAAzMzMAAAAAABQAAAAUAAAAGQAAABkAAAAAAAAAAcAAAA4AAAAAAAAAAAAAAAAAAAA////AAAAAAAAAAAAAAAAAAAAAAAAAAAAAAAAAAAAAABkAAAAZAAAAAAAAAAjAAAABAAAAGQAAAAXAAAAFAAAAAAAAAAAAAAA/38AAP9/AAAAAAAACQAAAAQAAAAAAAAADAAAABAAAAAAAAAAAAAAAAAAAAAAAAAAHgAAAGgAAAAAAAAAAAAAAAAAAAAAAAAAAAAAABAnAAAQJwAAAAAAAAAAAAAAAAAAAAAAAAAAAAAAAAAAAAAAAAAAAAAUAAAAAAAAAMDA/wAAAAAAZAAAADIAAAAAAAAAZAAAAAAAAAB/f38ACgAAAB8AAABUAAAAu+DjBf///wEAAAAAAAAAAAAAAAAAAAAAAAAAAAAAAAAAAAAAAAAAAAAAAAJ/f38AgICAA8zMzADAwP8Af39/AAAAAAAAAAAAAAAAAP///wAAAAAAIQAAABgAAAAUAAAAagQAAMYKAACWMgAAuBgAABAAAAAmAAAACAAAAP//////////"/>
               </a:ext>
             </a:extLst>
           </p:cNvPicPr>
@@ -4340,7 +4341,7 @@
           <p:cNvSpPr>
             <a:extLst>
               <a:ext uri="smNativeData">
-                <pr:smNativeData xmlns:pr="smNativeData" val="SMDATA_13_Zg2zYxMAAAAlAAAAZAAAAA8BAAAAkAAAAEgAAACQAAAASAAAAAAAAAAAAAAAAAAAAAEAAABQAAAAAAAAAAAA4D8AAAAAAADgPwAAAAAAAOA/AAAAAAAA4D8AAAAAAADgPwAAAAAAAOA/AAAAAAAA4D8AAAAAAADgPwAAAAAAAOA/AAAAAAAA4D8CAAAAjAAAAAEAAAAAAAAA////CP///wgAAAAAAAAAAAAAAAAAAAAAAAAAAAAAAAAAAAAAZAAAAAEAAABAAAAAAAAAAAAAAAAAAAAAAAAAAAAAAAAAAAAAAAAAAAAAAAAAAAAAAAAAAAAAAAAAAAAAAAAAAAAAAAAAAAAAAAAAAAAAAAAAAAAAAAAAAAAAAAAAAAAAFAAAADwAAAAAAAAAAAAAAAAAAAkAAAAAAQAAAAAAAAAAAAAAAAAAAAAAAAAAAAAAZAAAAGQAAAAAAAAAZAAAAGQAAAAVAAAAYAAAAAAAAAAAAAAADwAAACADAAAAAAAAAAAAAAEAAACgMgAAAAAAAAAAAAABAAAAf39/AAEAAABkAAAAAAAAABQAAABAHwAAAAAAACYAAAAAAAAAwOD//wAAAAAmAAAAZAAAABYAAABMAAAAAAAAAAAAAAAEAAAAAAAAAAEAAACAgIAKAAAAACgAAAAoAAAAZAAAAGQAAAAAAAAAzMzMAAAAAABQAAAAUAAAAGQAAABkAAAAAAAAABcAAAAUAAAAAAAAAAAAAAD/fwAA/38AAAAAAAAJAAAABAAAAAAAAQAMAAAAEAAAAAAAAAAAAAAAAAAAAAAAAAAeAAAAaAAAAAAAAAAAAAAAAAAAAAAAAAAAAAAAECcAABAnAAAAAAAAAAAAAAAAAAAAAAAAAAAAAAAAAAAAAAAAAAAAABQAAAAAAAAAwMD/AAAAAABkAAAAMgAAAAAAAABkAAAAAAAAAH9/fwAKAAAAHwAAAFQAAAD///8B////AQAAAAAAAAAAAAAAAAAAAAAAAAAAAAAAAAAAAAAAAAAAAAAAAn9/fwCAgIADzMzMAMDA/wB/f38AAAAAAAAAAAAAAAAAAAAAAAAAAAAhAAAAGAAAABQAAAAZEgAAvQUAAA84AABeGwAAEAAAACYAAAAIAAAA//////////8="/>
+                <pr:smNativeData xmlns:pr="smNativeData" val="SMDATA_13_mZ/BYxMAAAAlAAAAZAAAAA8BAAAAkAAAAEgAAACQAAAASAAAAAAAAAAAAAAAAAAAAAEAAABQAAAAAAAAAAAA4D8AAAAAAADgPwAAAAAAAOA/AAAAAAAA4D8AAAAAAADgPwAAAAAAAOA/AAAAAAAA4D8AAAAAAADgPwAAAAAAAOA/AAAAAAAA4D8CAAAAjAAAAAEAAAAAAAAA////CP///wgAAAAAAAAAAAAAAAAAAAAAAAAAAAAAAAAAAAAAZAAAAAEAAABAAAAAAAAAAAAAAAAAAAAAAAAAAAAAAAAAAAAAAAAAAAAAAAAAAAAAAAAAAAAAAAAAAAAAAAAAAAAAAAAAAAAAAAAAAAAAAAAAAAAAAAAAAAAAAAAAAAAAFAAAADwAAAAAAAAAAAAAAAAAAAkAAAAAAQAAAAAAAAAAAAAAAAAAAAAAAAAAAAAAZAAAAGQAAAAAAAAAZAAAAGQAAAAVAAAAYAAAAAAAAAAAAAAADwAAACADAAAAAAAAAAAAAAEAAACgMgAAAAAAAAAAAAABAAAAf39/AAEAAABkAAAAAAAAABQAAABAHwAAAAAAACYAAAAAAAAAwOD//wAAAAAmAAAAZAAAABYAAABMAAAAAAAAAAAAAAAEAAAAAAAAAAEAAACAgIAKAAAAACgAAAAoAAAAZAAAAGQAAAAAAAAAzMzMAAAAAABQAAAAUAAAAGQAAABkAAAAAAAAABcAAAAUAAAAAAAAAAAAAAD/fwAA/38AAAAAAAAJAAAABAAAAAAAAQAMAAAAEAAAAAAAAAAAAAAAAAAAAAAAAAAeAAAAaAAAAAAAAAAAAAAAAAAAAAAAAAAAAAAAECcAABAnAAAAAAAAAAAAAAAAAAAAAAAAAAAAAAAAAAAAAAAAAAAAABQAAAAAAAAAwMD/AAAAAABkAAAAMgAAAAAAAABkAAAAAAAAAH9/fwAKAAAAHwAAAFQAAAD///8B////AQAAAAAAAAAAAAAAAAAAAAAAAAAAAAAAAAAAAAAAAAAAAAAAAn9/fwCAgIADzMzMAMDA/wB/f38AAAAAAAAAAAAAAAAAAAAAAAAAAAAhAAAAGAAAABQAAAAZEgAAvQUAAA84AABeGwAAEAAAACYAAAAIAAAA//////////8="/>
               </a:ext>
             </a:extLst>
           </p:cNvSpPr>
@@ -4370,7 +4371,7 @@
             <a:picLocks noChangeAspect="1"/>
             <a:extLst>
               <a:ext uri="smNativeData">
-                <pr:smNativeData xmlns:pr="smNativeData" val="SMDATA_15_Zg2zYxMAAAAlAAAAEQAAAC8BAAAAkAAAAEgAAACQAAAASAAAAAAAAAAAAAAAAAAAAAEAAABQAAAAAAAAAAAA4D8AAAAAAADgPwAAAAAAAOA/AAAAAAAA4D8AAAAAAADgPwAAAAAAAOA/AAAAAAAA4D8AAAAAAADgPwAAAAAAAOA/AAAAAAAA4D8CAAAAjAAAAAAAAAAAAAAAu+DjDP///wgAAAAAAAAAAAAAAAAAAAAAAAAAAAAAAAAAAAAAZAAAAAEAAABAAAAAAAAAAAAAAAAAAAAAAAAAAAAAAAAAAAAAAAAAAAAAAAAAAAAAAAAAAAAAAAAAAAAAAAAAAAAAAAAAAAAAAAAAAAAAAAAAAAAAAAAAAAAAAAAAAAAAFAAAADwAAAAAAAAAAAAAAAAAAAkUAAAAAQAAABQAAAAUAAAAFAAAAAEAAAAAAAAAZAAAAGQAAAAAAAAAZAAAAGQAAAAVAAAAYAAAAAAAAAAAAAAADwAAACADAAAAAAAAAAAAAAEAAACgMgAAVgcAAKr4//8BAAAAf39/AAEAAABkAAAAAAAAABQAAABAHwAAAAAAACYAAAAAAAAAwOD//wAAAAAmAAAAZAAAABYAAABMAAAAAAAAAAAAAAAEAAAAAAAAAAEAAACAgIAKAAAAACgAAAAoAAAAZAAAAGQAAAAAAAAAzMzMAAAAAABQAAAAUAAAAGQAAABkAAAAAAAAAAcAAAA4AAAAAAAAAAAAAAAAAAAA////AAAAAAAAAAAAAAAAAAAAAAAAAAAAAAAAAAAAAABkAAAAZAAAAAAAAAAjAAAABAAAAGQAAAAXAAAAFAAAAAAAAAAAAAAA/38AAP9/AAAAAAAACQAAAAQAAABcjlsODAAAABAAAAAAAAAAAAAAAAAAAAAAAAAAHgAAAGgAAAAAAAAAAAAAAAAAAAAAAAAAAAAAABAnAAAQJwAAAAAAAAAAAAAAAAAAAAAAAAAAAAAAAAAAAAAAAAAAAAAUAAAAAAAAAMDA/wAAAAAAZAAAADIAAAAAAAAAZAAAAAAAAAB/f38ACgAAAB8AAABUAAAAu+DjBf///wEAAAAAAAAAAAAAAAAAAAAAAAAAAAAAAAAAAAAAAAAAAAAAAAJ/f38AgICAA8zMzADAwP8Af39/AAAAAAAAAAAAAAAAAP///wAAAAAAIQAAABgAAAAUAAAATAUAAEwFAAC3MAAAwRcAABAAAAAmAAAACAAAAP//////////"/>
+                <pr:smNativeData xmlns:pr="smNativeData" val="SMDATA_15_mZ/BYxMAAAAlAAAAEQAAAC8BAAAAkAAAAEgAAACQAAAASAAAAAAAAAAAAAAAAAAAAAEAAABQAAAAAAAAAAAA4D8AAAAAAADgPwAAAAAAAOA/AAAAAAAA4D8AAAAAAADgPwAAAAAAAOA/AAAAAAAA4D8AAAAAAADgPwAAAAAAAOA/AAAAAAAA4D8CAAAAjAAAAAAAAAAAAAAAu+DjDP///wgAAAAAAAAAAAAAAAAAAAAAAAAAAAAAAAAAAAAAZAAAAAEAAABAAAAAAAAAAAAAAAAAAAAAAAAAAAAAAAAAAAAAAAAAAAAAAAAAAAAAAAAAAAAAAAAAAAAAAAAAAAAAAAAAAAAAAAAAAAAAAAAAAAAAAAAAAAAAAAAAAAAAFAAAADwAAAAAAAAAAAAAAAAAAAkUAAAAAQAAABQAAAAUAAAAFAAAAAEAAAAAAAAAZAAAAGQAAAAAAAAAZAAAAGQAAAAVAAAAYAAAAAAAAAAAAAAADwAAACADAAAAAAAAAAAAAAEAAACgMgAAVgcAAKr4//8BAAAAf39/AAEAAABkAAAAAAAAABQAAABAHwAAAAAAACYAAAAAAAAAwOD//wAAAAAmAAAAZAAAABYAAABMAAAAAAAAAAAAAAAEAAAAAAAAAAEAAACAgIAKAAAAACgAAAAoAAAAZAAAAGQAAAAAAAAAzMzMAAAAAABQAAAAUAAAAGQAAABkAAAAAAAAAAcAAAA4AAAAAAAAAAAAAAAAAAAA////AAAAAAAAAAAAAAAAAAAAAAAAAAAAAAAAAAAAAABkAAAAZAAAAAAAAAAjAAAABAAAAGQAAAAXAAAAFAAAAAAAAAAAAAAA/38AAP9/AAAAAAAACQAAAAQAAABcjlsODAAAABAAAAAAAAAAAAAAAAAAAAAAAAAAHgAAAGgAAAAAAAAAAAAAAAAAAAAAAAAAAAAAABAnAAAQJwAAAAAAAAAAAAAAAAAAAAAAAAAAAAAAAAAAAAAAAAAAAAAUAAAAAAAAAMDA/wAAAAAAZAAAADIAAAAAAAAAZAAAAAAAAAB/f38ACgAAAB8AAABUAAAAu+DjBf///wEAAAAAAAAAAAAAAAAAAAAAAAAAAAAAAAAAAAAAAAAAAAAAAAJ/f38AgICAA8zMzADAwP8Af39/AAAAAAAAAAAAAAAAAP///wAAAAAAIQAAABgAAAAUAAAATAUAAEwFAAC3MAAAwRcAABAAAAAmAAAACAAAAP//////////"/>
               </a:ext>
             </a:extLst>
           </p:cNvPicPr>
@@ -4386,6 +4387,72 @@
           <a:xfrm>
             <a:off x="861060" y="861060"/>
             <a:ext cx="7058025" cy="3000375"/>
+          </a:xfrm>
+          <a:prstGeom prst="rect">
+            <a:avLst/>
+          </a:prstGeom>
+          <a:noFill/>
+          <a:ln>
+            <a:noFill/>
+          </a:ln>
+          <a:effectLst/>
+        </p:spPr>
+      </p:pic>
+    </p:spTree>
+  </p:cSld>
+  <p:clrMapOvr>
+    <a:masterClrMapping/>
+  </p:clrMapOvr>
+  <p:timing>
+    <p:tnLst>
+      <p:par>
+        <p:cTn id="1" dur="indefinite" restart="never" nodeType="tmRoot"/>
+      </p:par>
+    </p:tnLst>
+  </p:timing>
+</p:sld>
+</file>
+
+<file path=ppt/slides/slide8.xml><?xml version="1.0" encoding="utf-8"?>
+<p:sld xmlns:p="http://schemas.openxmlformats.org/presentationml/2006/main" xmlns:p14="http://schemas.microsoft.com/office/powerpoint/2010/main" xmlns:r="http://schemas.openxmlformats.org/officeDocument/2006/relationships" xmlns:a="http://schemas.openxmlformats.org/drawingml/2006/main">
+  <p:cSld>
+    <p:spTree>
+      <p:nvGrpSpPr>
+        <p:cNvPr id="1" name=""/>
+        <p:cNvGrpSpPr/>
+        <p:nvPr/>
+      </p:nvGrpSpPr>
+      <p:grpSpPr>
+        <a:xfrm>
+          <a:off x="0" y="0"/>
+          <a:ext cx="0" cy="0"/>
+          <a:chOff x="0" y="0"/>
+          <a:chExt cx="0" cy="0"/>
+        </a:xfrm>
+      </p:grpSpPr>
+      <p:pic>
+        <p:nvPicPr>
+          <p:cNvPr id="2" name="Picture1"/>
+          <p:cNvPicPr>
+            <a:picLocks noChangeAspect="1"/>
+            <a:extLst>
+              <a:ext uri="smNativeData">
+                <pr:smNativeData xmlns:pr="smNativeData" val="SMDATA_15_mZ/BYxMAAAAlAAAAEQAAAC8BAAAAkAAAAEgAAACQAAAASAAAAAAAAAAAAAAAAAAAAAEAAABQAAAAAAAAAAAA4D8AAAAAAADgPwAAAAAAAOA/AAAAAAAA4D8AAAAAAADgPwAAAAAAAOA/AAAAAAAA4D8AAAAAAADgPwAAAAAAAOA/AAAAAAAA4D8CAAAAjAAAAAAAAAAAAAAAu+DjDP///wgAAAAAAAAAAAAAAAAAAAAAAAAAAAAAAAAAAAAAZAAAAAEAAABAAAAAAAAAAAAAAAAAAAAAAAAAAAAAAAAAAAAAAAAAAAAAAAAAAAAAAAAAAAAAAAAAAAAAAAAAAAAAAAAAAAAAAAAAAAAAAAAAAAAAAAAAAAAAAAAAAAAAFAAAADwAAAAAAAAAAAAAAAAAAAkUAAAAAQAAABQAAAAUAAAAFAAAAAEAAAAAAAAAZAAAAGQAAAAAAAAAZAAAAGQAAAAVAAAAYAAAAAAAAAAAAAAADwAAACADAAAAAAAAAAAAAAEAAACgMgAAVgcAAKr4//8BAAAAf39/AAEAAABkAAAAAAAAABQAAABAHwAAAAAAACYAAAAAAAAAwOD//wAAAAAmAAAAZAAAABYAAABMAAAAAAAAAAAAAAAEAAAAAAAAAAEAAACAgIAKAAAAACgAAAAoAAAAZAAAAGQAAAAAAAAAzMzMAAAAAABQAAAAUAAAAGQAAABkAAAAAAAAAAcAAAA4AAAAAAAAAAAAAAAAAAAA////AAAAAAAAAAAAAAAAAAAAAAAAAAAAAAAAAAAAAABkAAAAZAAAAAAAAAAjAAAABAAAAGQAAAAXAAAAFAAAAAAAAAAAAAAA/38AAP9/AAAAAAAACQAAAAQAAACn5JmWDAAAABAAAAAAAAAAAAAAAAAAAAAAAAAAHgAAAGgAAAAAAAAAAAAAAAAAAAAAAAAAAAAAABAnAAAQJwAAAAAAAAAAAAAAAAAAAAAAAAAAAAAAAAAAAAAAAAAAAAAUAAAAAAAAAMDA/wAAAAAAZAAAADIAAAAAAAAAZAAAAAAAAAB/f38ACgAAAB8AAABUAAAAu+DjBf///wEAAAAAAAAAAAAAAAAAAAAAAAAAAAAAAAAAAAAAAAAAAAAAAAJ/f38AgICAA8zMzADAwP8Af39/AAAAAAAAAAAAAAAAAP///wAAAAAAIQAAABgAAAAUAAAAxgAAAA4FAAAdMAAA0RMAAAAAAAAmAAAACAAAAP//////////"/>
+              </a:ext>
+            </a:extLst>
+          </p:cNvPicPr>
+          <p:nvPr/>
+        </p:nvPicPr>
+        <p:blipFill>
+          <a:blip r:embed="rId2"/>
+          <a:stretch>
+            <a:fillRect/>
+          </a:stretch>
+        </p:blipFill>
+        <p:spPr>
+          <a:xfrm>
+            <a:off x="125730" y="821690"/>
+            <a:ext cx="7695565" cy="2399665"/>
           </a:xfrm>
           <a:prstGeom prst="rect">
             <a:avLst/>
@@ -5483,6 +5550,47 @@
       </a:clrScheme>
       <a:clrMap bg1="lt1" tx1="dk1" bg2="lt2" tx2="dk2" accent1="accent1" accent2="accent2" accent3="accent3" accent4="accent4" accent5="accent5" accent6="accent6" hlink="hlink" folHlink="folHlink"/>
     </a:extraClrScheme>
+    <a:extraClrScheme>
+      <a:clrScheme name="Presentation 21">
+        <a:dk1>
+          <a:srgbClr val="000000"/>
+        </a:dk1>
+        <a:lt1>
+          <a:srgbClr val="FFFFFF"/>
+        </a:lt1>
+        <a:dk2>
+          <a:srgbClr val="000000"/>
+        </a:dk2>
+        <a:lt2>
+          <a:srgbClr val="808080"/>
+        </a:lt2>
+        <a:accent1>
+          <a:srgbClr val="BBE0E3"/>
+        </a:accent1>
+        <a:accent2>
+          <a:srgbClr val="333399"/>
+        </a:accent2>
+        <a:accent3>
+          <a:srgbClr val="535379"/>
+        </a:accent3>
+        <a:accent4>
+          <a:srgbClr val="737359"/>
+        </a:accent4>
+        <a:accent5>
+          <a:srgbClr val="939339"/>
+        </a:accent5>
+        <a:accent6>
+          <a:srgbClr val="B3B319"/>
+        </a:accent6>
+        <a:hlink>
+          <a:srgbClr val="009999"/>
+        </a:hlink>
+        <a:folHlink>
+          <a:srgbClr val="99CC00"/>
+        </a:folHlink>
+      </a:clrScheme>
+      <a:clrMap bg1="lt1" tx1="dk1" bg2="lt2" tx2="dk2" accent1="accent1" accent2="accent2" accent3="accent3" accent4="accent4" accent5="accent5" accent6="accent6" hlink="hlink" folHlink="folHlink"/>
+    </a:extraClrScheme>
   </a:extraClrSchemeLst>
 </a:theme>
 </file>